--- a/Presentation/Presentation.pptx
+++ b/Presentation/Presentation.pptx
@@ -1,26 +1,34 @@
 
 <file path=ppt/presentation.xml><?xml version="1.0" encoding="utf-8"?>
-<p:presentation xmlns:p="http://schemas.openxmlformats.org/presentationml/2006/main" xmlns:p14="http://schemas.microsoft.com/office/powerpoint/2010/main" xmlns:r="http://schemas.openxmlformats.org/officeDocument/2006/relationships" xmlns:a="http://schemas.openxmlformats.org/drawingml/2006/main" showSpecialPlsOnTitleSld="0">
+<p:presentation xmlns:a="http://schemas.openxmlformats.org/drawingml/2006/main" xmlns:r="http://schemas.openxmlformats.org/officeDocument/2006/relationships" xmlns:p="http://schemas.openxmlformats.org/presentationml/2006/main" showSpecialPlsOnTitleSld="0">
   <p:sldMasterIdLst>
-    <p:sldMasterId id="2147483648" r:id="rId5"/>
+    <p:sldMasterId id="2147483648" r:id="rId1"/>
   </p:sldMasterIdLst>
   <p:notesMasterIdLst>
-    <p:notesMasterId r:id="rId6"/>
+    <p:notesMasterId r:id="rId20"/>
   </p:notesMasterIdLst>
   <p:handoutMasterIdLst>
-    <p:handoutMasterId r:id="rId7"/>
+    <p:handoutMasterId r:id="rId21"/>
   </p:handoutMasterIdLst>
   <p:sldIdLst>
-    <p:sldId id="276" r:id="rId8"/>
-    <p:sldId id="262" r:id="rId9"/>
-    <p:sldId id="293" r:id="rId10"/>
-    <p:sldId id="292" r:id="rId11"/>
-    <p:sldId id="291" r:id="rId12"/>
-    <p:sldId id="289" r:id="rId13"/>
-    <p:sldId id="290" r:id="rId14"/>
-    <p:sldId id="284" r:id="rId15"/>
-    <p:sldId id="287" r:id="rId16"/>
-    <p:sldId id="288" r:id="rId17"/>
+    <p:sldId id="276" r:id="rId2"/>
+    <p:sldId id="262" r:id="rId3"/>
+    <p:sldId id="301" r:id="rId4"/>
+    <p:sldId id="300" r:id="rId5"/>
+    <p:sldId id="293" r:id="rId6"/>
+    <p:sldId id="299" r:id="rId7"/>
+    <p:sldId id="292" r:id="rId8"/>
+    <p:sldId id="302" r:id="rId9"/>
+    <p:sldId id="291" r:id="rId10"/>
+    <p:sldId id="294" r:id="rId11"/>
+    <p:sldId id="295" r:id="rId12"/>
+    <p:sldId id="296" r:id="rId13"/>
+    <p:sldId id="297" r:id="rId14"/>
+    <p:sldId id="289" r:id="rId15"/>
+    <p:sldId id="290" r:id="rId16"/>
+    <p:sldId id="284" r:id="rId17"/>
+    <p:sldId id="287" r:id="rId18"/>
+    <p:sldId id="288" r:id="rId19"/>
   </p:sldIdLst>
   <p:sldSz cx="13004800" cy="9753600"/>
   <p:notesSz cx="13004800" cy="9753600"/>
@@ -224,11 +232,30 @@
       </a:defRPr>
     </a:lvl9pPr>
   </p:defaultTextStyle>
+  <p:extLst>
+    <p:ext uri="{EFAFB233-063F-42B5-8137-9DF3F51BA10A}">
+      <p15:sldGuideLst xmlns:p15="http://schemas.microsoft.com/office/powerpoint/2012/main">
+        <p15:guide id="1" orient="horz" pos="288">
+          <p15:clr>
+            <a:srgbClr val="A4A3A4"/>
+          </p15:clr>
+        </p15:guide>
+        <p15:guide id="2" pos="736">
+          <p15:clr>
+            <a:srgbClr val="A4A3A4"/>
+          </p15:clr>
+        </p15:guide>
+      </p15:sldGuideLst>
+    </p:ext>
+    <p:ext uri="{2D200454-40CA-4A62-9FC3-DE9A4176ACB9}">
+      <p15:notesGuideLst xmlns:p15="http://schemas.microsoft.com/office/powerpoint/2012/main"/>
+    </p:ext>
+  </p:extLst>
 </p:presentation>
 </file>
 
 <file path=ppt/handoutMasters/handoutMaster1.xml><?xml version="1.0" encoding="utf-8"?>
-<p:handoutMaster xmlns:p="http://schemas.openxmlformats.org/presentationml/2006/main" xmlns:p14="http://schemas.microsoft.com/office/powerpoint/2010/main" xmlns:r="http://schemas.openxmlformats.org/officeDocument/2006/relationships" xmlns:a="http://schemas.openxmlformats.org/drawingml/2006/main">
+<p:handoutMaster xmlns:a="http://schemas.openxmlformats.org/drawingml/2006/main" xmlns:r="http://schemas.openxmlformats.org/officeDocument/2006/relationships" xmlns:p="http://schemas.openxmlformats.org/presentationml/2006/main">
   <p:cSld>
     <p:bg>
       <p:bgPr>
@@ -259,7 +286,7 @@
             <a:spLocks noGrp="1" noChangeArrowheads="1"/>
             <a:extLst>
               <a:ext uri="smNativeData">
-                <pr:smNativeData xmlns:pr="smNativeData" val="SMDATA_13_ec9PYBMAAAAlAAAAZAAAAA0AAAAAkAAAAEgAAACQAAAASAAAAAAAAAAAAAAAAAAAAAEAAABQAAAAAAAAAAAA4D8AAAAAAADgPwAAAAAAAOA/AAAAAAAA4D8AAAAAAADgPwAAAAAAAOA/AAAAAAAA4D8AAAAAAADgPwAAAAAAAOA/AAAAAAAA4D8CAAAAjAAAAAAAAAAAAAAA////AP///wgAAAAAAAAAAAAAAAAAAAAAAAAAAAAAAAAAAAAAeAAAAAEAAABAAAAAAAAAAAAAAABaAAAAAAAAAAAAAAAAAAAAAAAAAAAAAAAAAAAAAAAAAAAAAAAAAAAAAAAAAAAAAAAAAAAAAAAAAAAAAAAAAAAAAAAAAAAAAAAAAAAAFAAAADwAAAAAAAAAAAAAAAAAAAAPAAAAAQAAACMAAAAjAAAAIwAAAB4AAAAAAAAAZAAAAGQAAAAAAAAAZAAAAGQAAAAVAAAAYAAAAAAAAAAAAAAADwAAACADAAAAAAAAAAAAAAEAAACgMgAAVgcAAKr4//8BAAAAf39/AAEAAABkAAAAAAAAABQAAABAHwAAAAAAACYAAAAAAAAAwOD//wAAAAAmAAAAZAAAABYAAABMAAAAAAAAAAAAAAAEAAAAAAAAAAEAAADu7OEKAAAAACgAAAAoAAAAZAAAAGQAAAAAAAAAzMzMAAAAAABQAAAAUAAAAGQAAABkAAAAAAAAABcAAAAUAAAAAAAAAAAAAAD/fwAA/38AAAAAAAAJAAAABAAAAAAAAAAMAAAAEAAAAAAAAAAAAAAAAAAAAAAAAAAeAAAAaAAAAAAAAAAAAAAAAAAAAAAAAAAAAAAAECcAABAnAAAAAAAAAAAAAAAAAAAAAAAAAAAAAAAAAAAAAAAAAAAAABQAAAAAAAAAwMD/AAAAAABkAAAAMgAAAAAAAABkAAAAAAAAAH9/fwAKAAAAHwAAAFQAAAD///8AAAAAAQAAAAAAAAAAAAAAAAAAAAAAAAAAAAAAAAAAAAAAAAAAAAAAAH9/fwAAAAADzMzMAMDA/wB/f38AAAAAAAAAAAAAAAAAAAAAAAAAAAAhAAAAGAAAABQAAAAAAAAAAAAAAKsiAAAAAwAAEAAAACYAAAAIAAAAP48AAAAAAAA="/>
+                <pr:smNativeData xmlns:pr="smNativeData" xmlns:p14="http://schemas.microsoft.com/office/powerpoint/2010/main" xmlns="" val="SMDATA_13_ec9PYBMAAAAlAAAAZAAAAA0AAAAAkAAAAEgAAACQAAAASAAAAAAAAAAAAAAAAAAAAAEAAABQAAAAAAAAAAAA4D8AAAAAAADgPwAAAAAAAOA/AAAAAAAA4D8AAAAAAADgPwAAAAAAAOA/AAAAAAAA4D8AAAAAAADgPwAAAAAAAOA/AAAAAAAA4D8CAAAAjAAAAAAAAAAAAAAA////AP///wgAAAAAAAAAAAAAAAAAAAAAAAAAAAAAAAAAAAAAeAAAAAEAAABAAAAAAAAAAAAAAABaAAAAAAAAAAAAAAAAAAAAAAAAAAAAAAAAAAAAAAAAAAAAAAAAAAAAAAAAAAAAAAAAAAAAAAAAAAAAAAAAAAAAAAAAAAAAAAAAAAAAFAAAADwAAAAAAAAAAAAAAAAAAAAPAAAAAQAAACMAAAAjAAAAIwAAAB4AAAAAAAAAZAAAAGQAAAAAAAAAZAAAAGQAAAAVAAAAYAAAAAAAAAAAAAAADwAAACADAAAAAAAAAAAAAAEAAACgMgAAVgcAAKr4//8BAAAAf39/AAEAAABkAAAAAAAAABQAAABAHwAAAAAAACYAAAAAAAAAwOD//wAAAAAmAAAAZAAAABYAAABMAAAAAAAAAAAAAAAEAAAAAAAAAAEAAADu7OEKAAAAACgAAAAoAAAAZAAAAGQAAAAAAAAAzMzMAAAAAABQAAAAUAAAAGQAAABkAAAAAAAAABcAAAAUAAAAAAAAAAAAAAD/fwAA/38AAAAAAAAJAAAABAAAAAAAAAAMAAAAEAAAAAAAAAAAAAAAAAAAAAAAAAAeAAAAaAAAAAAAAAAAAAAAAAAAAAAAAAAAAAAAECcAABAnAAAAAAAAAAAAAAAAAAAAAAAAAAAAAAAAAAAAAAAAAAAAABQAAAAAAAAAwMD/AAAAAABkAAAAMgAAAAAAAABkAAAAAAAAAH9/fwAKAAAAHwAAAFQAAAD///8AAAAAAQAAAAAAAAAAAAAAAAAAAAAAAAAAAAAAAAAAAAAAAAAAAAAAAH9/fwAAAAADzMzMAMDA/wB/f38AAAAAAAAAAAAAAAAAAAAAAAAAAAAhAAAAGAAAABQAAAAAAAAAAAAAAKsiAAAAAwAAEAAAACYAAAAIAAAAP48AAAAAAAA="/>
               </a:ext>
             </a:extLst>
           </p:cNvSpPr>
@@ -315,6 +342,7 @@
             <a:pPr>
               <a:defRPr lang="de-de"/>
             </a:pPr>
+            <a:endParaRPr/>
           </a:p>
         </p:txBody>
       </p:sp>
@@ -325,7 +353,7 @@
             <a:spLocks noGrp="1" noChangeArrowheads="1"/>
             <a:extLst>
               <a:ext uri="smNativeData">
-                <pr:smNativeData xmlns:pr="smNativeData" val="SMDATA_13_ec9PYBMAAAAlAAAAZAAAAA0AAAAAkAAAAEgAAACQAAAASAAAAAAAAAAAAAAAAAAAAAEAAABQAAAAAAAAAAAA4D8AAAAAAADgPwAAAAAAAOA/AAAAAAAA4D8AAAAAAADgPwAAAAAAAOA/AAAAAAAA4D8AAAAAAADgPwAAAAAAAOA/AAAAAAAA4D8CAAAAjAAAAAAAAAAAAAAA////AP///wgAAAAAAAAAAAAAAAAAAAAAAAAAAAAAAAAAAAAAeAAAAAEAAABAAAAAAAAAAAAAAABaAAAAAAAAAAAAAAAAAAAAAAAAAAAAAAAAAAAAAAAAAAAAAAAAAAAAAAAAAAAAAAAAAAAAAAAAAAAAAAAAAAAAAAAAAAAAAAAAAAAAFAAAADwAAAAAAAAAAAAAAAAAAAAPAAAAAQAAACMAAAAjAAAAIwAAAB4AAAAAAAAAZAAAAGQAAAAAAAAAZAAAAGQAAAAVAAAAYAAAAAAAAAAAAAAADwAAACADAAAAAAAAAAAAAAEAAACgMgAAVgcAAKr4//8BAAAAf39/AAEAAABkAAAAAAAAABQAAABAHwAAAAAAACYAAAAAAAAAwOD//wAAAAAmAAAAZAAAABYAAABMAAAAAAAAAAAAAAAEAAAAAAAAAAEAAADu7OEKAAAAACgAAAAoAAAAZAAAAGQAAAAAAAAAzMzMAAAAAABQAAAAUAAAAGQAAABkAAAAAAAAABcAAAAUAAAAAAAAAAAAAAD/fwAA/38AAAAAAAAJAAAABAAAAAAAAAAMAAAAEAAAAAAAAAAAAAAAAAAAAAAAAAAeAAAAaAAAAAAAAAAAAAAAAAAAAAAAAAAAAAAAECcAABAnAAAAAAAAAAAAAAAAAAAAAAAAAAAAAAAAAAAAAAAAAAAAABQAAAAAAAAAwMD/AAAAAABkAAAAMgAAAAAAAABkAAAAAAAAAH9/fwAKAAAAHwAAAFQAAAD///8AAAAAAQAAAAAAAAAAAAAAAAAAAAAAAAAAAAAAAAAAAAAAAAAAAAAAAH9/fwAAAAADzMzMAMDA/wB/f38AAAAAAAAAAAAAAAAAAAAAAAAAAAAhAAAAGAAAABQAAABQLQAAAAAAAPtPAAAAAwAAEAAAACYAAAAIAAAAP48AAAAAAAA="/>
+                <pr:smNativeData xmlns:pr="smNativeData" xmlns:p14="http://schemas.microsoft.com/office/powerpoint/2010/main" xmlns="" val="SMDATA_13_ec9PYBMAAAAlAAAAZAAAAA0AAAAAkAAAAEgAAACQAAAASAAAAAAAAAAAAAAAAAAAAAEAAABQAAAAAAAAAAAA4D8AAAAAAADgPwAAAAAAAOA/AAAAAAAA4D8AAAAAAADgPwAAAAAAAOA/AAAAAAAA4D8AAAAAAADgPwAAAAAAAOA/AAAAAAAA4D8CAAAAjAAAAAAAAAAAAAAA////AP///wgAAAAAAAAAAAAAAAAAAAAAAAAAAAAAAAAAAAAAeAAAAAEAAABAAAAAAAAAAAAAAABaAAAAAAAAAAAAAAAAAAAAAAAAAAAAAAAAAAAAAAAAAAAAAAAAAAAAAAAAAAAAAAAAAAAAAAAAAAAAAAAAAAAAAAAAAAAAAAAAAAAAFAAAADwAAAAAAAAAAAAAAAAAAAAPAAAAAQAAACMAAAAjAAAAIwAAAB4AAAAAAAAAZAAAAGQAAAAAAAAAZAAAAGQAAAAVAAAAYAAAAAAAAAAAAAAADwAAACADAAAAAAAAAAAAAAEAAACgMgAAVgcAAKr4//8BAAAAf39/AAEAAABkAAAAAAAAABQAAABAHwAAAAAAACYAAAAAAAAAwOD//wAAAAAmAAAAZAAAABYAAABMAAAAAAAAAAAAAAAEAAAAAAAAAAEAAADu7OEKAAAAACgAAAAoAAAAZAAAAGQAAAAAAAAAzMzMAAAAAABQAAAAUAAAAGQAAABkAAAAAAAAABcAAAAUAAAAAAAAAAAAAAD/fwAA/38AAAAAAAAJAAAABAAAAAAAAAAMAAAAEAAAAAAAAAAAAAAAAAAAAAAAAAAeAAAAaAAAAAAAAAAAAAAAAAAAAAAAAAAAAAAAECcAABAnAAAAAAAAAAAAAAAAAAAAAAAAAAAAAAAAAAAAAAAAAAAAABQAAAAAAAAAwMD/AAAAAABkAAAAMgAAAAAAAABkAAAAAAAAAH9/fwAKAAAAHwAAAFQAAAD///8AAAAAAQAAAAAAAAAAAAAAAAAAAAAAAAAAAAAAAAAAAAAAAAAAAAAAAH9/fwAAAAADzMzMAMDA/wB/f38AAAAAAAAAAAAAAAAAAAAAAAAAAAAhAAAAGAAAABQAAABQLQAAAAAAAPtPAAAAAwAAEAAAACYAAAAIAAAAP48AAAAAAAA="/>
               </a:ext>
             </a:extLst>
           </p:cNvSpPr>
@@ -382,8 +410,9 @@
               <a:defRPr lang="de-de"/>
             </a:pPr>
             <a:fld id="{3D3482BE-F0D0-6174-9E8C-0621CCC26853}" type="datetime1">
-              <a:t>24.09.2020</a:t>
+              <a:t>3/16/2021</a:t>
             </a:fld>
+            <a:endParaRPr/>
           </a:p>
         </p:txBody>
       </p:sp>
@@ -394,7 +423,7 @@
             <a:spLocks noGrp="1" noChangeArrowheads="1"/>
             <a:extLst>
               <a:ext uri="smNativeData">
-                <pr:smNativeData xmlns:pr="smNativeData" val="SMDATA_13_ec9PYBMAAAAlAAAAZAAAAA0AAAAAkAAAAEgAAACQAAAASAAAAAAAAAACAAAAAAAAAAEAAABQAAAAAAAAAAAA4D8AAAAAAADgPwAAAAAAAOA/AAAAAAAA4D8AAAAAAADgPwAAAAAAAOA/AAAAAAAA4D8AAAAAAADgPwAAAAAAAOA/AAAAAAAA4D8CAAAAjAAAAAAAAAAAAAAA////AP///wgAAAAAAAAAAAAAAAAAAAAAAAAAAAAAAAAAAAAAeAAAAAEAAABAAAAAAAAAAAAAAABaAAAAAAAAAAAAAAAAAAAAAAAAAAAAAAAAAAAAAAAAAAAAAAAAAAAAAAAAAAAAAAAAAAAAAAAAAAAAAAAAAAAAAAAAAAAAAAAAAAAAFAAAADwAAAAAAAAAAAAAAAAAAAAPAAAAAQAAACMAAAAjAAAAIwAAAB4AAAAAAAAAZAAAAGQAAAAAAAAAZAAAAGQAAAAVAAAAYAAAAAAAAAAAAAAADwAAACADAAAAAAAAAAAAAAEAAACgMgAAVgcAAKr4//8BAAAAf39/AAEAAABkAAAAAAAAABQAAABAHwAAAAAAACYAAAAAAAAAwOD//wAAAAAmAAAAZAAAABYAAABMAAAAAAAAAAAAAAAEAAAAAAAAAAEAAADu7OEKAAAAACgAAAAoAAAAZAAAAGQAAAAAAAAAzMzMAAAAAABQAAAAUAAAAGQAAABkAAAAAAAAABcAAAAUAAAAAAAAAAAAAAD/fwAA/38AAAAAAAAJAAAABAAAAAAAAAAMAAAAEAAAAAAAAAAAAAAAAAAAAAAAAAAeAAAAaAAAAAAAAAAAAAAAAAAAAAAAAAAAAAAAECcAABAnAAAAAAAAAAAAAAAAAAAAAAAAAAAAAAAAAAAAAAAAAAAAABQAAAAAAAAAwMD/AAAAAABkAAAAMgAAAAAAAABkAAAAAAAAAH9/fwAKAAAAHwAAAFQAAAD///8AAAAAAQAAAAAAAAAAAAAAAAAAAAAAAAAAAAAAAAAAAAAAAAAAAAAAAH9/fwAAAAADzMzMAMDA/wB/f38AAAAAAAAAAAAAAAAAAAAAAAAAAAAhAAAAGAAAABQAAAAAAAAA/jgAAKsiAAD+OwAAEAAAACYAAAAIAAAAv48AAAAAAAA="/>
+                <pr:smNativeData xmlns:pr="smNativeData" xmlns:p14="http://schemas.microsoft.com/office/powerpoint/2010/main" xmlns="" val="SMDATA_13_ec9PYBMAAAAlAAAAZAAAAA0AAAAAkAAAAEgAAACQAAAASAAAAAAAAAACAAAAAAAAAAEAAABQAAAAAAAAAAAA4D8AAAAAAADgPwAAAAAAAOA/AAAAAAAA4D8AAAAAAADgPwAAAAAAAOA/AAAAAAAA4D8AAAAAAADgPwAAAAAAAOA/AAAAAAAA4D8CAAAAjAAAAAAAAAAAAAAA////AP///wgAAAAAAAAAAAAAAAAAAAAAAAAAAAAAAAAAAAAAeAAAAAEAAABAAAAAAAAAAAAAAABaAAAAAAAAAAAAAAAAAAAAAAAAAAAAAAAAAAAAAAAAAAAAAAAAAAAAAAAAAAAAAAAAAAAAAAAAAAAAAAAAAAAAAAAAAAAAAAAAAAAAFAAAADwAAAAAAAAAAAAAAAAAAAAPAAAAAQAAACMAAAAjAAAAIwAAAB4AAAAAAAAAZAAAAGQAAAAAAAAAZAAAAGQAAAAVAAAAYAAAAAAAAAAAAAAADwAAACADAAAAAAAAAAAAAAEAAACgMgAAVgcAAKr4//8BAAAAf39/AAEAAABkAAAAAAAAABQAAABAHwAAAAAAACYAAAAAAAAAwOD//wAAAAAmAAAAZAAAABYAAABMAAAAAAAAAAAAAAAEAAAAAAAAAAEAAADu7OEKAAAAACgAAAAoAAAAZAAAAGQAAAAAAAAAzMzMAAAAAABQAAAAUAAAAGQAAABkAAAAAAAAABcAAAAUAAAAAAAAAAAAAAD/fwAA/38AAAAAAAAJAAAABAAAAAAAAAAMAAAAEAAAAAAAAAAAAAAAAAAAAAAAAAAeAAAAaAAAAAAAAAAAAAAAAAAAAAAAAAAAAAAAECcAABAnAAAAAAAAAAAAAAAAAAAAAAAAAAAAAAAAAAAAAAAAAAAAABQAAAAAAAAAwMD/AAAAAABkAAAAMgAAAAAAAABkAAAAAAAAAH9/fwAKAAAAHwAAAFQAAAD///8AAAAAAQAAAAAAAAAAAAAAAAAAAAAAAAAAAAAAAAAAAAAAAAAAAAAAAH9/fwAAAAADzMzMAMDA/wB/f38AAAAAAAAAAAAAAAAAAAAAAAAAAAAhAAAAGAAAABQAAAAAAAAA/jgAAKsiAAD+OwAAEAAAACYAAAAIAAAAv48AAAAAAAA="/>
               </a:ext>
             </a:extLst>
           </p:cNvSpPr>
@@ -450,6 +479,7 @@
             <a:pPr>
               <a:defRPr lang="de-de"/>
             </a:pPr>
+            <a:endParaRPr/>
           </a:p>
         </p:txBody>
       </p:sp>
@@ -460,7 +490,7 @@
             <a:spLocks noGrp="1" noChangeArrowheads="1"/>
             <a:extLst>
               <a:ext uri="smNativeData">
-                <pr:smNativeData xmlns:pr="smNativeData" val="SMDATA_13_ec9PYBMAAAAlAAAAZAAAAA0AAAAAkAAAAEgAAACQAAAASAAAAAAAAAACAAAAAAAAAAEAAABQAAAAAAAAAAAA4D8AAAAAAADgPwAAAAAAAOA/AAAAAAAA4D8AAAAAAADgPwAAAAAAAOA/AAAAAAAA4D8AAAAAAADgPwAAAAAAAOA/AAAAAAAA4D8CAAAAjAAAAAAAAAAAAAAA////AP///wgAAAAAAAAAAAAAAAAAAAAAAAAAAAAAAAAAAAAAeAAAAAEAAABAAAAAAAAAAAAAAABaAAAAAAAAAAAAAAAAAAAAAAAAAAAAAAAAAAAAAAAAAAAAAAAAAAAAAAAAAAAAAAAAAAAAAAAAAAAAAAAAAAAAAAAAAAAAAAAAAAAAFAAAADwAAAAAAAAAAAAAAAAAAAAPAAAAAQAAACMAAAAjAAAAIwAAAB4AAAAAAAAAZAAAAGQAAAAAAAAAZAAAAGQAAAAVAAAAYAAAAAAAAAAAAAAADwAAACADAAAAAAAAAAAAAAEAAACgMgAAVgcAAKr4//8BAAAAf39/AAEAAABkAAAAAAAAABQAAABAHwAAAAAAACYAAAAAAAAAwOD//wAAAAAmAAAAZAAAABYAAABMAAAAAAAAAAAAAAAEAAAAAAAAAAEAAADu7OEKAAAAACgAAAAoAAAAZAAAAGQAAAAAAAAAzMzMAAAAAABQAAAAUAAAAGQAAABkAAAAAAAAABcAAAAUAAAAAAAAAAAAAAD/fwAA/38AAAAAAAAJAAAABAAAAAAAAAAMAAAAEAAAAAAAAAAAAAAAAAAAAAAAAAAeAAAAaAAAAAAAAAAAAAAAAAAAAAAAAAAAAAAAECcAABAnAAAAAAAAAAAAAAAAAAAAAAAAAAAAAAAAAAAAAAAAAAAAABQAAAAAAAAAwMD/AAAAAABkAAAAMgAAAAAAAABkAAAAAAAAAH9/fwAKAAAAHwAAAFQAAAD///8AAAAAAQAAAAAAAAAAAAAAAAAAAAAAAAAAAAAAAAAAAAAAAAAAAAAAAH9/fwAAAAADzMzMAMDA/wB/f38AAAAAAAAAAAAAAAAAAAAAAAAAAAAhAAAAGAAAABQAAABQLQAA/jgAAPtPAAD+OwAAEAAAACYAAAAIAAAAv48AAAAAAAA="/>
+                <pr:smNativeData xmlns:pr="smNativeData" xmlns:p14="http://schemas.microsoft.com/office/powerpoint/2010/main" xmlns="" val="SMDATA_13_ec9PYBMAAAAlAAAAZAAAAA0AAAAAkAAAAEgAAACQAAAASAAAAAAAAAACAAAAAAAAAAEAAABQAAAAAAAAAAAA4D8AAAAAAADgPwAAAAAAAOA/AAAAAAAA4D8AAAAAAADgPwAAAAAAAOA/AAAAAAAA4D8AAAAAAADgPwAAAAAAAOA/AAAAAAAA4D8CAAAAjAAAAAAAAAAAAAAA////AP///wgAAAAAAAAAAAAAAAAAAAAAAAAAAAAAAAAAAAAAeAAAAAEAAABAAAAAAAAAAAAAAABaAAAAAAAAAAAAAAAAAAAAAAAAAAAAAAAAAAAAAAAAAAAAAAAAAAAAAAAAAAAAAAAAAAAAAAAAAAAAAAAAAAAAAAAAAAAAAAAAAAAAFAAAADwAAAAAAAAAAAAAAAAAAAAPAAAAAQAAACMAAAAjAAAAIwAAAB4AAAAAAAAAZAAAAGQAAAAAAAAAZAAAAGQAAAAVAAAAYAAAAAAAAAAAAAAADwAAACADAAAAAAAAAAAAAAEAAACgMgAAVgcAAKr4//8BAAAAf39/AAEAAABkAAAAAAAAABQAAABAHwAAAAAAACYAAAAAAAAAwOD//wAAAAAmAAAAZAAAABYAAABMAAAAAAAAAAAAAAAEAAAAAAAAAAEAAADu7OEKAAAAACgAAAAoAAAAZAAAAGQAAAAAAAAAzMzMAAAAAABQAAAAUAAAAGQAAABkAAAAAAAAABcAAAAUAAAAAAAAAAAAAAD/fwAA/38AAAAAAAAJAAAABAAAAAAAAAAMAAAAEAAAAAAAAAAAAAAAAAAAAAAAAAAeAAAAaAAAAAAAAAAAAAAAAAAAAAAAAAAAAAAAECcAABAnAAAAAAAAAAAAAAAAAAAAAAAAAAAAAAAAAAAAAAAAAAAAABQAAAAAAAAAwMD/AAAAAABkAAAAMgAAAAAAAABkAAAAAAAAAH9/fwAKAAAAHwAAAFQAAAD///8AAAAAAQAAAAAAAAAAAAAAAAAAAAAAAAAAAAAAAAAAAAAAAAAAAAAAAH9/fwAAAAADzMzMAMDA/wB/f38AAAAAAAAAAAAAAAAAAAAAAAAAAAAhAAAAGAAAABQAAABQLQAA/jgAAPtPAAD+OwAAEAAAACYAAAAIAAAAv48AAAAAAAA="/>
               </a:ext>
             </a:extLst>
           </p:cNvSpPr>
@@ -517,12 +547,18 @@
               <a:defRPr lang="de-de"/>
             </a:pPr>
             <a:fld id="{1F9F299B-D5F2-CADF-BC27-238A67694A76}" type="slidenum">
-              <a:t>‹N°›</a:t>
+              <a:t>‹#›</a:t>
             </a:fld>
+            <a:endParaRPr/>
           </a:p>
         </p:txBody>
       </p:sp>
     </p:spTree>
+    <p:extLst>
+      <p:ext uri="{BB962C8B-B14F-4D97-AF65-F5344CB8AC3E}">
+        <p14:creationId xmlns:p14="http://schemas.microsoft.com/office/powerpoint/2010/main" val="1"/>
+      </p:ext>
+    </p:extLst>
   </p:cSld>
   <p:clrMap bg1="lt1" tx1="dk1" bg2="lt2" tx2="dk2" accent1="accent1" accent2="accent2" accent3="accent3" accent4="accent4" accent5="accent5" accent6="accent6" hlink="hlink" folHlink="folHlink"/>
   <p:hf sldNum="0" hdr="0" ftr="0" dt="0"/>
@@ -530,7 +566,7 @@
 </file>
 
 <file path=ppt/notesMasters/notesMaster1.xml><?xml version="1.0" encoding="utf-8"?>
-<p:notesMaster xmlns:p="http://schemas.openxmlformats.org/presentationml/2006/main" xmlns:p14="http://schemas.microsoft.com/office/powerpoint/2010/main" xmlns:r="http://schemas.openxmlformats.org/officeDocument/2006/relationships" xmlns:a="http://schemas.openxmlformats.org/drawingml/2006/main">
+<p:notesMaster xmlns:a="http://schemas.openxmlformats.org/drawingml/2006/main" xmlns:r="http://schemas.openxmlformats.org/officeDocument/2006/relationships" xmlns:p="http://schemas.openxmlformats.org/presentationml/2006/main">
   <p:cSld>
     <p:bg>
       <p:bgPr>
@@ -561,7 +597,7 @@
             <a:spLocks noGrp="1" noChangeArrowheads="1"/>
             <a:extLst>
               <a:ext uri="smNativeData">
-                <pr:smNativeData xmlns:pr="smNativeData" val="SMDATA_13_ec9PYBMAAAAlAAAAZAAAAA0AAAAAkAAAAEgAAACQAAAASAAAAAAAAAAAAAAAAAAAAAEAAABQAAAAAAAAAAAA4D8AAAAAAADgPwAAAAAAAOA/AAAAAAAA4D8AAAAAAADgPwAAAAAAAOA/AAAAAAAA4D8AAAAAAADgPwAAAAAAAOA/AAAAAAAA4D8CAAAAjAAAAAAAAAAAAAAA////AP///wgAAAAAAAAAAAAAAAAAAAAAAAAAAAAAAAAAAAAAeAAAAAEAAABAAAAAAAAAAAAAAABaAAAAAAAAAAAAAAAAAAAAAAAAAAAAAAAAAAAAAAAAAAAAAAAAAAAAAAAAAAAAAAAAAAAAAAAAAAAAAAAAAAAAAAAAAAAAAAAAAAAAFAAAADwAAAAAAAAAAAAAAAAAAAAPAAAAAQAAACMAAAAjAAAAIwAAAB4AAAAAAAAAZAAAAGQAAAAAAAAAZAAAAGQAAAAVAAAAYAAAAAAAAAAAAAAADwAAACADAAAAAAAAAAAAAAEAAACgMgAAVgcAAKr4//8BAAAAf39/AAEAAABkAAAAAAAAABQAAABAHwAAAAAAACYAAAAAAAAAwOD//wAAAAAmAAAAZAAAABYAAABMAAAAAAAAAAAAAAAEAAAAAAAAAAEAAADu7OEKAAAAACgAAAAoAAAAZAAAAGQAAAAAAAAAzMzMAAAAAABQAAAAUAAAAGQAAABkAAAAAAAAABcAAAAUAAAAAAAAAAAAAAD/fwAA/38AAAAAAAAJAAAABAAAAAAAAAAMAAAAEAAAAAAAAAAAAAAAAAAAAAAAAAAeAAAAaAAAAAAAAAAAAAAAAAAAAAAAAAAAAAAAECcAABAnAAAAAAAAAAAAAAAAAAAAAAAAAAAAAAAAAAAAAAAAAAAAABQAAAAAAAAAwMD/AAAAAABkAAAAMgAAAAAAAABkAAAAAAAAAH9/fwAKAAAAHwAAAFQAAAD///8AAAAAAQAAAAAAAAAAAAAAAAAAAAAAAAAAAAAAAAAAAAAAAAAAAAAAAH9/fwAAAAADzMzMAMDA/wB/f38AAAAAAAAAAAAAAAAAAAAAAAAAAAAhAAAAGAAAABQAAAAAAAAAAAAAAKsiAAAAAwAAEAAAACYAAAAIAAAAP48AAAAAAAA="/>
+                <pr:smNativeData xmlns:pr="smNativeData" xmlns:p14="http://schemas.microsoft.com/office/powerpoint/2010/main" xmlns="" val="SMDATA_13_ec9PYBMAAAAlAAAAZAAAAA0AAAAAkAAAAEgAAACQAAAASAAAAAAAAAAAAAAAAAAAAAEAAABQAAAAAAAAAAAA4D8AAAAAAADgPwAAAAAAAOA/AAAAAAAA4D8AAAAAAADgPwAAAAAAAOA/AAAAAAAA4D8AAAAAAADgPwAAAAAAAOA/AAAAAAAA4D8CAAAAjAAAAAAAAAAAAAAA////AP///wgAAAAAAAAAAAAAAAAAAAAAAAAAAAAAAAAAAAAAeAAAAAEAAABAAAAAAAAAAAAAAABaAAAAAAAAAAAAAAAAAAAAAAAAAAAAAAAAAAAAAAAAAAAAAAAAAAAAAAAAAAAAAAAAAAAAAAAAAAAAAAAAAAAAAAAAAAAAAAAAAAAAFAAAADwAAAAAAAAAAAAAAAAAAAAPAAAAAQAAACMAAAAjAAAAIwAAAB4AAAAAAAAAZAAAAGQAAAAAAAAAZAAAAGQAAAAVAAAAYAAAAAAAAAAAAAAADwAAACADAAAAAAAAAAAAAAEAAACgMgAAVgcAAKr4//8BAAAAf39/AAEAAABkAAAAAAAAABQAAABAHwAAAAAAACYAAAAAAAAAwOD//wAAAAAmAAAAZAAAABYAAABMAAAAAAAAAAAAAAAEAAAAAAAAAAEAAADu7OEKAAAAACgAAAAoAAAAZAAAAGQAAAAAAAAAzMzMAAAAAABQAAAAUAAAAGQAAABkAAAAAAAAABcAAAAUAAAAAAAAAAAAAAD/fwAA/38AAAAAAAAJAAAABAAAAAAAAAAMAAAAEAAAAAAAAAAAAAAAAAAAAAAAAAAeAAAAaAAAAAAAAAAAAAAAAAAAAAAAAAAAAAAAECcAABAnAAAAAAAAAAAAAAAAAAAAAAAAAAAAAAAAAAAAAAAAAAAAABQAAAAAAAAAwMD/AAAAAABkAAAAMgAAAAAAAABkAAAAAAAAAH9/fwAKAAAAHwAAAFQAAAD///8AAAAAAQAAAAAAAAAAAAAAAAAAAAAAAAAAAAAAAAAAAAAAAAAAAAAAAH9/fwAAAAADzMzMAMDA/wB/f38AAAAAAAAAAAAAAAAAAAAAAAAAAAAhAAAAGAAAABQAAAAAAAAAAAAAAKsiAAAAAwAAEAAAACYAAAAIAAAAP48AAAAAAAA="/>
               </a:ext>
             </a:extLst>
           </p:cNvSpPr>
@@ -617,6 +653,7 @@
             <a:pPr>
               <a:defRPr lang="de-de"/>
             </a:pPr>
+            <a:endParaRPr/>
           </a:p>
         </p:txBody>
       </p:sp>
@@ -627,7 +664,7 @@
             <a:spLocks noGrp="1" noChangeArrowheads="1"/>
             <a:extLst>
               <a:ext uri="smNativeData">
-                <pr:smNativeData xmlns:pr="smNativeData" val="SMDATA_13_ec9PYBMAAAAlAAAAZAAAAA0AAAAAkAAAAEgAAACQAAAASAAAAAAAAAAAAAAAAAAAAAEAAABQAAAAAAAAAAAA4D8AAAAAAADgPwAAAAAAAOA/AAAAAAAA4D8AAAAAAADgPwAAAAAAAOA/AAAAAAAA4D8AAAAAAADgPwAAAAAAAOA/AAAAAAAA4D8CAAAAjAAAAAAAAAAAAAAA////AP///wgAAAAAAAAAAAAAAAAAAAAAAAAAAAAAAAAAAAAAeAAAAAEAAABAAAAAAAAAAAAAAABaAAAAAAAAAAAAAAAAAAAAAAAAAAAAAAAAAAAAAAAAAAAAAAAAAAAAAAAAAAAAAAAAAAAAAAAAAAAAAAAAAAAAAAAAAAAAAAAAAAAAFAAAADwAAAAAAAAAAAAAAAAAAAAPAAAAAQAAACMAAAAjAAAAIwAAAB4AAAAAAAAAZAAAAGQAAAAAAAAAZAAAAGQAAAAVAAAAYAAAAAAAAAAAAAAADwAAACADAAAAAAAAAAAAAAEAAACgMgAAVgcAAKr4//8BAAAAf39/AAEAAABkAAAAAAAAABQAAABAHwAAAAAAACYAAAAAAAAAwOD//wAAAAAmAAAAZAAAABYAAABMAAAAAAAAAAAAAAAEAAAAAAAAAAEAAADu7OEKAAAAACgAAAAoAAAAZAAAAGQAAAAAAAAAzMzMAAAAAABQAAAAUAAAAGQAAABkAAAAAAAAABcAAAAUAAAAAAAAAAAAAAD/fwAA/38AAAAAAAAJAAAABAAAAAAAAAAMAAAAEAAAAAAAAAAAAAAAAAAAAAAAAAAeAAAAaAAAAAAAAAAAAAAAAAAAAAAAAAAAAAAAECcAABAnAAAAAAAAAAAAAAAAAAAAAAAAAAAAAAAAAAAAAAAAAAAAABQAAAAAAAAAwMD/AAAAAABkAAAAMgAAAAAAAABkAAAAAAAAAH9/fwAKAAAAHwAAAFQAAAD///8AAAAAAQAAAAAAAAAAAAAAAAAAAAAAAAAAAAAAAAAAAAAAAAAAAAAAAH9/fwAAAAADzMzMAMDA/wB/f38AAAAAAAAAAAAAAAAAAAAAAAAAAAAhAAAAGAAAABQAAABQLQAAAAAAAPtPAAAAAwAAEAAAACYAAAAIAAAAP48AAAAAAAA="/>
+                <pr:smNativeData xmlns:pr="smNativeData" xmlns:p14="http://schemas.microsoft.com/office/powerpoint/2010/main" xmlns="" val="SMDATA_13_ec9PYBMAAAAlAAAAZAAAAA0AAAAAkAAAAEgAAACQAAAASAAAAAAAAAAAAAAAAAAAAAEAAABQAAAAAAAAAAAA4D8AAAAAAADgPwAAAAAAAOA/AAAAAAAA4D8AAAAAAADgPwAAAAAAAOA/AAAAAAAA4D8AAAAAAADgPwAAAAAAAOA/AAAAAAAA4D8CAAAAjAAAAAAAAAAAAAAA////AP///wgAAAAAAAAAAAAAAAAAAAAAAAAAAAAAAAAAAAAAeAAAAAEAAABAAAAAAAAAAAAAAABaAAAAAAAAAAAAAAAAAAAAAAAAAAAAAAAAAAAAAAAAAAAAAAAAAAAAAAAAAAAAAAAAAAAAAAAAAAAAAAAAAAAAAAAAAAAAAAAAAAAAFAAAADwAAAAAAAAAAAAAAAAAAAAPAAAAAQAAACMAAAAjAAAAIwAAAB4AAAAAAAAAZAAAAGQAAAAAAAAAZAAAAGQAAAAVAAAAYAAAAAAAAAAAAAAADwAAACADAAAAAAAAAAAAAAEAAACgMgAAVgcAAKr4//8BAAAAf39/AAEAAABkAAAAAAAAABQAAABAHwAAAAAAACYAAAAAAAAAwOD//wAAAAAmAAAAZAAAABYAAABMAAAAAAAAAAAAAAAEAAAAAAAAAAEAAADu7OEKAAAAACgAAAAoAAAAZAAAAGQAAAAAAAAAzMzMAAAAAABQAAAAUAAAAGQAAABkAAAAAAAAABcAAAAUAAAAAAAAAAAAAAD/fwAA/38AAAAAAAAJAAAABAAAAAAAAAAMAAAAEAAAAAAAAAAAAAAAAAAAAAAAAAAeAAAAaAAAAAAAAAAAAAAAAAAAAAAAAAAAAAAAECcAABAnAAAAAAAAAAAAAAAAAAAAAAAAAAAAAAAAAAAAAAAAAAAAABQAAAAAAAAAwMD/AAAAAABkAAAAMgAAAAAAAABkAAAAAAAAAH9/fwAKAAAAHwAAAFQAAAD///8AAAAAAQAAAAAAAAAAAAAAAAAAAAAAAAAAAAAAAAAAAAAAAAAAAAAAAH9/fwAAAAADzMzMAMDA/wB/f38AAAAAAAAAAAAAAAAAAAAAAAAAAAAhAAAAGAAAABQAAABQLQAAAAAAAPtPAAAAAwAAEAAAACYAAAAIAAAAP48AAAAAAAA="/>
               </a:ext>
             </a:extLst>
           </p:cNvSpPr>
@@ -684,8 +721,9 @@
               <a:defRPr lang="de-de"/>
             </a:pPr>
             <a:fld id="{69BC05D8-9684-E9F3-CA04-60A64B4A3C35}" type="datetime1">
-              <a:t>24.09.2020</a:t>
+              <a:t>3/16/2021</a:t>
             </a:fld>
+            <a:endParaRPr/>
           </a:p>
         </p:txBody>
       </p:sp>
@@ -693,10 +731,10 @@
         <p:nvSpPr>
           <p:cNvPr id="4" name="Folienbildplatzhalter 3"/>
           <p:cNvSpPr>
-            <a:spLocks noGrp="1" noChangeArrowheads="1"/>
-            <a:extLst>
-              <a:ext uri="smNativeData">
-                <pr:smNativeData xmlns:pr="smNativeData" val="SMDATA_13_ec9PYBMAAAAlAAAAZAAAAC0AAAAAkAAAAEgAAACQAAAASAAAAAAAAAABAAAAAAAAAAEAAABQAAAAAAAAAAAA4D8AAAAAAADgPwAAAAAAAOA/AAAAAAAA4D8AAAAAAADgPwAAAAAAAOA/AAAAAAAA4D8AAAAAAADgPwAAAAAAAOA/AAAAAAAA4D8CAAAAjAAAAAAAAAAAAAAAT4G9DP///wgAAAAAAAAAAAAAAAAAAAAAAAAAAAAAAAAAAAAAZAAAAAEAAABAAAAAAAAAAAAAAAAAAAAAAAAAAAAAAAAAAAAAAAAAAAAAAAAAAAAAAAAAAAAAAAAAAAAAAAAAAAAAAAAAAAAAAAAAAAAAAAAAAAAAAAAAAAAAAAAAAAAAFAAAADwAAAABAAAAAAAAAAAAAAAUAAAAAQAAACMAAAAjAAAAIwAAAB4AAAAAAAAAZAAAAGQAAAAAAAAAZAAAAGQAAAAVAAAAYAAAAAAAAAAAAAAADwAAACADAAAAAAAAAAAAAAEAAACgMgAAVgcAAKr4//8BAAAAf39/AAEAAABkAAAAAAAAABQAAABAHwAAAAAAACYAAAAAAAAAwOD//wAAAAAmAAAAZAAAABYAAABMAAAAAAAAAAAAAAAEAAAAAAAAAAEAAADu7OEKAAAAACgAAAAoAAAAZAAAAGQAAAAAAAAAzMzMAAAAAABQAAAAUAAAAGQAAABkAAAAAAAAABcAAAAUAAAAAAAAAAAAAAD/fwAA/38AAAAAAAAJAAAABAAAAAAAAAAMAAAAEAAAAAAAAAAAAAAAAAAAAAAAAAAeAAAAaAAAAAAAAAAAAAAAAAAAAAAAAAAAAAAAECcAABAnAAAAAAAAAAAAAAAAAAAAAAAAAAAAAAAAAAAAAAAAAAAAABQAAAAAAAAAwMD/AAAAAABkAAAAMgAAAAAAAABkAAAAAAAAAH9/fwAKAAAAHwAAAFQAAAAAAAAFAAAAAQAAAAAAAAAAAAAAAAAAAAAAAAAAAAAAAAAAAAAAAAAAAAAAAH9/fwAAAAADzMzMAMDA/wB/f38AAAAAAAAAAAAAAAAAAAAAAAAAAAAhAAAAGAAAABQAAAAAGQAAgQQAAAA3AAABGwAAEAAAACYAAAAIAAAAvw8AAP8fAAA="/>
+            <a:spLocks noGrp="1" noRot="1" noChangeAspect="1" noChangeArrowheads="1"/>
+            <a:extLst>
+              <a:ext uri="smNativeData">
+                <pr:smNativeData xmlns:pr="smNativeData" xmlns:p14="http://schemas.microsoft.com/office/powerpoint/2010/main" xmlns="" val="SMDATA_13_ec9PYBMAAAAlAAAAZAAAAC0AAAAAkAAAAEgAAACQAAAASAAAAAAAAAABAAAAAAAAAAEAAABQAAAAAAAAAAAA4D8AAAAAAADgPwAAAAAAAOA/AAAAAAAA4D8AAAAAAADgPwAAAAAAAOA/AAAAAAAA4D8AAAAAAADgPwAAAAAAAOA/AAAAAAAA4D8CAAAAjAAAAAAAAAAAAAAAT4G9DP///wgAAAAAAAAAAAAAAAAAAAAAAAAAAAAAAAAAAAAAZAAAAAEAAABAAAAAAAAAAAAAAAAAAAAAAAAAAAAAAAAAAAAAAAAAAAAAAAAAAAAAAAAAAAAAAAAAAAAAAAAAAAAAAAAAAAAAAAAAAAAAAAAAAAAAAAAAAAAAAAAAAAAAFAAAADwAAAABAAAAAAAAAAAAAAAUAAAAAQAAACMAAAAjAAAAIwAAAB4AAAAAAAAAZAAAAGQAAAAAAAAAZAAAAGQAAAAVAAAAYAAAAAAAAAAAAAAADwAAACADAAAAAAAAAAAAAAEAAACgMgAAVgcAAKr4//8BAAAAf39/AAEAAABkAAAAAAAAABQAAABAHwAAAAAAACYAAAAAAAAAwOD//wAAAAAmAAAAZAAAABYAAABMAAAAAAAAAAAAAAAEAAAAAAAAAAEAAADu7OEKAAAAACgAAAAoAAAAZAAAAGQAAAAAAAAAzMzMAAAAAABQAAAAUAAAAGQAAABkAAAAAAAAABcAAAAUAAAAAAAAAAAAAAD/fwAA/38AAAAAAAAJAAAABAAAAAAAAAAMAAAAEAAAAAAAAAAAAAAAAAAAAAAAAAAeAAAAaAAAAAAAAAAAAAAAAAAAAAAAAAAAAAAAECcAABAnAAAAAAAAAAAAAAAAAAAAAAAAAAAAAAAAAAAAAAAAAAAAABQAAAAAAAAAwMD/AAAAAABkAAAAMgAAAAAAAABkAAAAAAAAAH9/fwAKAAAAHwAAAFQAAAAAAAAFAAAAAQAAAAAAAAAAAAAAAAAAAAAAAAAAAAAAAAAAAAAAAAAAAAAAAH9/fwAAAAADzMzMAMDA/wB/f38AAAAAAAAAAAAAAAAAAAAAAAAAAAAhAAAAGAAAABQAAAAAGQAAgQQAAAA3AAABGwAAEAAAACYAAAAIAAAAvw8AAP8fAAA="/>
               </a:ext>
             </a:extLst>
           </p:cNvSpPr>
@@ -733,6 +771,7 @@
             <a:pPr>
               <a:defRPr lang="de-de"/>
             </a:pPr>
+            <a:endParaRPr/>
           </a:p>
         </p:txBody>
       </p:sp>
@@ -743,7 +782,7 @@
             <a:spLocks noGrp="1" noChangeArrowheads="1"/>
             <a:extLst>
               <a:ext uri="smNativeData">
-                <pr:smNativeData xmlns:pr="smNativeData" val="SMDATA_13_ec9PYBMAAAAlAAAAZAAAAA0AAAAAkAAAAEgAAACQAAAASAAAAAAAAAAAAAAAAAAAAAEAAABQAAAAAAAAAAAA4D8AAAAAAADgPwAAAAAAAOA/AAAAAAAA4D8AAAAAAADgPwAAAAAAAOA/AAAAAAAA4D8AAAAAAADgPwAAAAAAAOA/AAAAAAAA4D8CAAAAjAAAAAAAAAAAAAAA////AP///wgAAAAAAAAAAAAAAAAAAAAAAAAAAAAAAAAAAAAAeAAAAAEAAABAAAAAAAAAAAAAAABaAAAAAAAAAAAAAAAAAAAAAAAAAAAAAAAAAAAAAAAAAAAAAAAAAAAAAAAAAAAAAAAAAAAAAAAAAAAAAAAAAAAAAAAAAAAAAAAAAAAAFAAAADwAAAAAAAAAAAAAAAAAAAAPAAAAAQAAACMAAAAjAAAAIwAAAB4AAAAAAAAAZAAAAGQAAAAAAAAAZAAAAGQAAAAVAAAAYAAAAAAAAAAAAAAADwAAACADAAAAAAAAAAAAAAEAAACgMgAAVgcAAKr4//8BAAAAf39/AAEAAABkAAAAAAAAABQAAABAHwAAAAAAACYAAAAAAAAAwOD//wAAAAAmAAAAZAAAABYAAABMAAAAAAAAAAAAAAAEAAAAAAAAAAEAAADu7OEKAAAAACgAAAAoAAAAZAAAAGQAAAAAAAAAzMzMAAAAAABQAAAAUAAAAGQAAABkAAAAAAAAABcAAAAUAAAAAAAAAAAAAAD/fwAA/38AAAAAAAAJAAAABAAAAAAAAAAMAAAAEAAAAAAAAAAAAAAAAAAAAAAAAAAeAAAAaAAAAAAAAAAAAAAAAAAAAAAAAAAAAAAAECcAABAnAAAAAAAAAAAAAAAAAAAAAAAAAAAAAAAAAAAAAAAAAAAAABQAAAAAAAAAwMD/AAAAAABkAAAAMgAAAAAAAABkAAAAAAAAAH9/fwAKAAAAHwAAAFQAAAD///8AAAAAAQAAAAAAAAAAAAAAAAAAAAAAAAAAAAAAAAAAAAAAAAAAAAAAAH9/fwAAAAADzMzMAMDA/wB/f38AAAAAAAAAAAAAAAAAAAAAAAAAAAAhAAAAGAAAABQAAAAACAAAfxwAAAFIAACANwAAEAAAACYAAAAIAAAAPy8AAP8fAAA="/>
+                <pr:smNativeData xmlns:pr="smNativeData" xmlns:p14="http://schemas.microsoft.com/office/powerpoint/2010/main" xmlns="" val="SMDATA_13_ec9PYBMAAAAlAAAAZAAAAA0AAAAAkAAAAEgAAACQAAAASAAAAAAAAAAAAAAAAAAAAAEAAABQAAAAAAAAAAAA4D8AAAAAAADgPwAAAAAAAOA/AAAAAAAA4D8AAAAAAADgPwAAAAAAAOA/AAAAAAAA4D8AAAAAAADgPwAAAAAAAOA/AAAAAAAA4D8CAAAAjAAAAAAAAAAAAAAA////AP///wgAAAAAAAAAAAAAAAAAAAAAAAAAAAAAAAAAAAAAeAAAAAEAAABAAAAAAAAAAAAAAABaAAAAAAAAAAAAAAAAAAAAAAAAAAAAAAAAAAAAAAAAAAAAAAAAAAAAAAAAAAAAAAAAAAAAAAAAAAAAAAAAAAAAAAAAAAAAAAAAAAAAFAAAADwAAAAAAAAAAAAAAAAAAAAPAAAAAQAAACMAAAAjAAAAIwAAAB4AAAAAAAAAZAAAAGQAAAAAAAAAZAAAAGQAAAAVAAAAYAAAAAAAAAAAAAAADwAAACADAAAAAAAAAAAAAAEAAACgMgAAVgcAAKr4//8BAAAAf39/AAEAAABkAAAAAAAAABQAAABAHwAAAAAAACYAAAAAAAAAwOD//wAAAAAmAAAAZAAAABYAAABMAAAAAAAAAAAAAAAEAAAAAAAAAAEAAADu7OEKAAAAACgAAAAoAAAAZAAAAGQAAAAAAAAAzMzMAAAAAABQAAAAUAAAAGQAAABkAAAAAAAAABcAAAAUAAAAAAAAAAAAAAD/fwAA/38AAAAAAAAJAAAABAAAAAAAAAAMAAAAEAAAAAAAAAAAAAAAAAAAAAAAAAAeAAAAaAAAAAAAAAAAAAAAAAAAAAAAAAAAAAAAECcAABAnAAAAAAAAAAAAAAAAAAAAAAAAAAAAAAAAAAAAAAAAAAAAABQAAAAAAAAAwMD/AAAAAABkAAAAMgAAAAAAAABkAAAAAAAAAH9/fwAKAAAAHwAAAFQAAAD///8AAAAAAQAAAAAAAAAAAAAAAAAAAAAAAAAAAAAAAAAAAAAAAAAAAAAAAH9/fwAAAAADzMzMAMDA/wB/f38AAAAAAAAAAAAAAAAAAAAAAAAAAAAhAAAAGAAAABQAAAAACAAAfxwAAAFIAACANwAAEAAAACYAAAAIAAAAPy8AAP8fAAA="/>
               </a:ext>
             </a:extLst>
           </p:cNvSpPr>
@@ -820,7 +859,7 @@
             <a:spLocks noGrp="1" noChangeArrowheads="1"/>
             <a:extLst>
               <a:ext uri="smNativeData">
-                <pr:smNativeData xmlns:pr="smNativeData" val="SMDATA_13_ec9PYBMAAAAlAAAAZAAAAA0AAAAAkAAAAEgAAACQAAAASAAAAAAAAAACAAAAAAAAAAEAAABQAAAAAAAAAAAA4D8AAAAAAADgPwAAAAAAAOA/AAAAAAAA4D8AAAAAAADgPwAAAAAAAOA/AAAAAAAA4D8AAAAAAADgPwAAAAAAAOA/AAAAAAAA4D8CAAAAjAAAAAAAAAAAAAAA////AP///wgAAAAAAAAAAAAAAAAAAAAAAAAAAAAAAAAAAAAAeAAAAAEAAABAAAAAAAAAAAAAAABaAAAAAAAAAAAAAAAAAAAAAAAAAAAAAAAAAAAAAAAAAAAAAAAAAAAAAAAAAAAAAAAAAAAAAAAAAAAAAAAAAAAAAAAAAAAAAAAAAAAAFAAAADwAAAAAAAAAAAAAAAAAAAAPAAAAAQAAACMAAAAjAAAAIwAAAB4AAAAAAAAAZAAAAGQAAAAAAAAAZAAAAGQAAAAVAAAAYAAAAAAAAAAAAAAADwAAACADAAAAAAAAAAAAAAEAAACgMgAAVgcAAKr4//8BAAAAf39/AAEAAABkAAAAAAAAABQAAABAHwAAAAAAACYAAAAAAAAAwOD//wAAAAAmAAAAZAAAABYAAABMAAAAAAAAAAAAAAAEAAAAAAAAAAEAAADu7OEKAAAAACgAAAAoAAAAZAAAAGQAAAAAAAAAzMzMAAAAAABQAAAAUAAAAGQAAABkAAAAAAAAABcAAAAUAAAAAAAAAAAAAAD/fwAA/38AAAAAAAAJAAAABAAAAAAAAAAMAAAAEAAAAAAAAAAAAAAAAAAAAAAAAAAeAAAAaAAAAAAAAAAAAAAAAAAAAAAAAAAAAAAAECcAABAnAAAAAAAAAAAAAAAAAAAAAAAAAAAAAAAAAAAAAAAAAAAAABQAAAAAAAAAwMD/AAAAAABkAAAAMgAAAAAAAABkAAAAAAAAAH9/fwAKAAAAHwAAAFQAAAD///8AAAAAAQAAAAAAAAAAAAAAAAAAAAAAAAAAAAAAAAAAAAAAAAAAAAAAAH9/fwAAAAADzMzMAMDA/wB/f38AAAAAAAAAAAAAAAAAAAAAAAAAAAAhAAAAGAAAABQAAAAAAAAA/jgAAKsiAAD+OwAAEAAAACYAAAAIAAAAv48AAP8fAAA="/>
+                <pr:smNativeData xmlns:pr="smNativeData" xmlns:p14="http://schemas.microsoft.com/office/powerpoint/2010/main" xmlns="" val="SMDATA_13_ec9PYBMAAAAlAAAAZAAAAA0AAAAAkAAAAEgAAACQAAAASAAAAAAAAAACAAAAAAAAAAEAAABQAAAAAAAAAAAA4D8AAAAAAADgPwAAAAAAAOA/AAAAAAAA4D8AAAAAAADgPwAAAAAAAOA/AAAAAAAA4D8AAAAAAADgPwAAAAAAAOA/AAAAAAAA4D8CAAAAjAAAAAAAAAAAAAAA////AP///wgAAAAAAAAAAAAAAAAAAAAAAAAAAAAAAAAAAAAAeAAAAAEAAABAAAAAAAAAAAAAAABaAAAAAAAAAAAAAAAAAAAAAAAAAAAAAAAAAAAAAAAAAAAAAAAAAAAAAAAAAAAAAAAAAAAAAAAAAAAAAAAAAAAAAAAAAAAAAAAAAAAAFAAAADwAAAAAAAAAAAAAAAAAAAAPAAAAAQAAACMAAAAjAAAAIwAAAB4AAAAAAAAAZAAAAGQAAAAAAAAAZAAAAGQAAAAVAAAAYAAAAAAAAAAAAAAADwAAACADAAAAAAAAAAAAAAEAAACgMgAAVgcAAKr4//8BAAAAf39/AAEAAABkAAAAAAAAABQAAABAHwAAAAAAACYAAAAAAAAAwOD//wAAAAAmAAAAZAAAABYAAABMAAAAAAAAAAAAAAAEAAAAAAAAAAEAAADu7OEKAAAAACgAAAAoAAAAZAAAAGQAAAAAAAAAzMzMAAAAAABQAAAAUAAAAGQAAABkAAAAAAAAABcAAAAUAAAAAAAAAAAAAAD/fwAA/38AAAAAAAAJAAAABAAAAAAAAAAMAAAAEAAAAAAAAAAAAAAAAAAAAAAAAAAeAAAAaAAAAAAAAAAAAAAAAAAAAAAAAAAAAAAAECcAABAnAAAAAAAAAAAAAAAAAAAAAAAAAAAAAAAAAAAAAAAAAAAAABQAAAAAAAAAwMD/AAAAAABkAAAAMgAAAAAAAABkAAAAAAAAAH9/fwAKAAAAHwAAAFQAAAD///8AAAAAAQAAAAAAAAAAAAAAAAAAAAAAAAAAAAAAAAAAAAAAAAAAAAAAAH9/fwAAAAADzMzMAMDA/wB/f38AAAAAAAAAAAAAAAAAAAAAAAAAAAAhAAAAGAAAABQAAAAAAAAA/jgAAKsiAAD+OwAAEAAAACYAAAAIAAAAv48AAP8fAAA="/>
               </a:ext>
             </a:extLst>
           </p:cNvSpPr>
@@ -880,6 +919,7 @@
             <a:pPr>
               <a:defRPr lang="de-de"/>
             </a:pPr>
+            <a:endParaRPr/>
           </a:p>
         </p:txBody>
       </p:sp>
@@ -890,7 +930,7 @@
             <a:spLocks noGrp="1" noChangeArrowheads="1"/>
             <a:extLst>
               <a:ext uri="smNativeData">
-                <pr:smNativeData xmlns:pr="smNativeData" val="SMDATA_13_ec9PYBMAAAAlAAAAZAAAAA0AAAAAkAAAAEgAAACQAAAASAAAAAAAAAACAAAAAAAAAAEAAABQAAAAAAAAAAAA4D8AAAAAAADgPwAAAAAAAOA/AAAAAAAA4D8AAAAAAADgPwAAAAAAAOA/AAAAAAAA4D8AAAAAAADgPwAAAAAAAOA/AAAAAAAA4D8CAAAAjAAAAAAAAAAAAAAA////AP///wgAAAAAAAAAAAAAAAAAAAAAAAAAAAAAAAAAAAAAeAAAAAEAAABAAAAAAAAAAAAAAABaAAAAAAAAAAAAAAAAAAAAAAAAAAAAAAAAAAAAAAAAAAAAAAAAAAAAAAAAAAAAAAAAAAAAAAAAAAAAAAAAAAAAAAAAAAAAAAAAAAAAFAAAADwAAAAAAAAAAAAAAAAAAAAPAAAAAQAAACMAAAAjAAAAIwAAAB4AAAAAAAAAZAAAAGQAAAAAAAAAZAAAAGQAAAAVAAAAYAAAAAAAAAAAAAAADwAAACADAAAAAAAAAAAAAAEAAACgMgAAVgcAAKr4//8BAAAAf39/AAEAAABkAAAAAAAAABQAAABAHwAAAAAAACYAAAAAAAAAwOD//wAAAAAmAAAAZAAAABYAAABMAAAAAAAAAAAAAAAEAAAAAAAAAAEAAADu7OEKAAAAACgAAAAoAAAAZAAAAGQAAAAAAAAAzMzMAAAAAABQAAAAUAAAAGQAAABkAAAAAAAAABcAAAAUAAAAAAAAAAAAAAD/fwAA/38AAAAAAAAJAAAABAAAAAAAAAAMAAAAEAAAAAAAAAAAAAAAAAAAAAAAAAAeAAAAaAAAAAAAAAAAAAAAAAAAAAAAAAAAAAAAECcAABAnAAAAAAAAAAAAAAAAAAAAAAAAAAAAAAAAAAAAAAAAAAAAABQAAAAAAAAAwMD/AAAAAABkAAAAMgAAAAAAAABkAAAAAAAAAH9/fwAKAAAAHwAAAFQAAAD///8AAAAAAQAAAAAAAAAAAAAAAAAAAAAAAAAAAAAAAAAAAAAAAAAAAAAAAH9/fwAAAAADzMzMAMDA/wB/f38AAAAAAAAAAAAAAAAAAAAAAAAAAAAhAAAAGAAAABQAAABQLQAA/jgAAPtPAAD+OwAAEAAAACYAAAAIAAAAv48AAP8fAAA="/>
+                <pr:smNativeData xmlns:pr="smNativeData" xmlns:p14="http://schemas.microsoft.com/office/powerpoint/2010/main" xmlns="" val="SMDATA_13_ec9PYBMAAAAlAAAAZAAAAA0AAAAAkAAAAEgAAACQAAAASAAAAAAAAAACAAAAAAAAAAEAAABQAAAAAAAAAAAA4D8AAAAAAADgPwAAAAAAAOA/AAAAAAAA4D8AAAAAAADgPwAAAAAAAOA/AAAAAAAA4D8AAAAAAADgPwAAAAAAAOA/AAAAAAAA4D8CAAAAjAAAAAAAAAAAAAAA////AP///wgAAAAAAAAAAAAAAAAAAAAAAAAAAAAAAAAAAAAAeAAAAAEAAABAAAAAAAAAAAAAAABaAAAAAAAAAAAAAAAAAAAAAAAAAAAAAAAAAAAAAAAAAAAAAAAAAAAAAAAAAAAAAAAAAAAAAAAAAAAAAAAAAAAAAAAAAAAAAAAAAAAAFAAAADwAAAAAAAAAAAAAAAAAAAAPAAAAAQAAACMAAAAjAAAAIwAAAB4AAAAAAAAAZAAAAGQAAAAAAAAAZAAAAGQAAAAVAAAAYAAAAAAAAAAAAAAADwAAACADAAAAAAAAAAAAAAEAAACgMgAAVgcAAKr4//8BAAAAf39/AAEAAABkAAAAAAAAABQAAABAHwAAAAAAACYAAAAAAAAAwOD//wAAAAAmAAAAZAAAABYAAABMAAAAAAAAAAAAAAAEAAAAAAAAAAEAAADu7OEKAAAAACgAAAAoAAAAZAAAAGQAAAAAAAAAzMzMAAAAAABQAAAAUAAAAGQAAABkAAAAAAAAABcAAAAUAAAAAAAAAAAAAAD/fwAA/38AAAAAAAAJAAAABAAAAAAAAAAMAAAAEAAAAAAAAAAAAAAAAAAAAAAAAAAeAAAAaAAAAAAAAAAAAAAAAAAAAAAAAAAAAAAAECcAABAnAAAAAAAAAAAAAAAAAAAAAAAAAAAAAAAAAAAAAAAAAAAAABQAAAAAAAAAwMD/AAAAAABkAAAAMgAAAAAAAABkAAAAAAAAAH9/fwAKAAAAHwAAAFQAAAD///8AAAAAAQAAAAAAAAAAAAAAAAAAAAAAAAAAAAAAAAAAAAAAAAAAAAAAAH9/fwAAAAADzMzMAMDA/wB/f38AAAAAAAAAAAAAAAAAAAAAAAAAAAAhAAAAGAAAABQAAABQLQAA/jgAAPtPAAD+OwAAEAAAACYAAAAIAAAAv48AAP8fAAA="/>
               </a:ext>
             </a:extLst>
           </p:cNvSpPr>
@@ -951,8 +991,9 @@
               <a:defRPr lang="de-de"/>
             </a:pPr>
             <a:fld id="{1F51595A-14F2-04AF-BCE9-E2FA17A74AB7}" type="slidenum">
-              <a:t>‹N°›</a:t>
+              <a:t>‹#›</a:t>
             </a:fld>
+            <a:endParaRPr/>
           </a:p>
         </p:txBody>
       </p:sp>
@@ -1164,7 +1205,7 @@
 </file>
 
 <file path=ppt/notesSlides/notesSlide1.xml><?xml version="1.0" encoding="utf-8"?>
-<p:notes xmlns:p="http://schemas.openxmlformats.org/presentationml/2006/main" xmlns:p14="http://schemas.microsoft.com/office/powerpoint/2010/main" xmlns:r="http://schemas.openxmlformats.org/officeDocument/2006/relationships" xmlns:a="http://schemas.openxmlformats.org/drawingml/2006/main" showMasterSp="0">
+<p:notes xmlns:a="http://schemas.openxmlformats.org/drawingml/2006/main" xmlns:r="http://schemas.openxmlformats.org/officeDocument/2006/relationships" xmlns:p="http://schemas.openxmlformats.org/presentationml/2006/main" showMasterSp="0">
   <p:cSld>
     <p:bg>
       <p:bgPr>
@@ -1192,10 +1233,10 @@
         <p:nvSpPr>
           <p:cNvPr id="2" name="Folienbildplatzhalter 1"/>
           <p:cNvSpPr>
-            <a:spLocks noGrp="1" noChangeArrowheads="1"/>
-            <a:extLst>
-              <a:ext uri="smNativeData">
-                <pr:smNativeData xmlns:pr="smNativeData" val="SMDATA_13_ec9PYBMAAAAlAAAAZAAAAC0AAAAAkAAAAEgAAACQAAAASAAAAAAAAAABAAAAAAAAAAEAAABQAAAAAAAAAAAA4D8AAAAAAADgPwAAAAAAAOA/AAAAAAAA4D8AAAAAAADgPwAAAAAAAOA/AAAAAAAA4D8AAAAAAADgPwAAAAAAAOA/AAAAAAAA4D8CAAAAjAAAAAAAAAAAAAAAT4G9DP///wgAAAAAAAAAAAAAAAAAAAAAAAAAAAAAAAAAAAAAZAAAAAEAAABAAAAAAAAAAAAAAAAAAAAAAAAAAAAAAAAAAAAAAAAAAAAAAAAAAAAAAAAAAAAAAAAAAAAAAAAAAAAAAAAAAAAAAAAAAAAAAAAAAAAAAAAAAAAAAAAAAAAAFAAAADwAAAABAAAAAAAAAAAAAAAUAAAAAQAAACMAAAAjAAAAIwAAAB4AAAAAAAAAZAAAAGQAAAAAAAAAZAAAAGQAAAAVAAAAYAAAAAAAAAAAAAAADwAAACADAAAAAAAAAAAAAAEAAACgMgAAVgcAAKr4//8BAAAAf39/AAEAAABkAAAAAAAAABQAAABAHwAAAAAAACYAAAAAAAAAwOD//wAAAAAmAAAAZAAAABYAAABMAAAAAAAAAAAAAAAEAAAAAAAAAAEAAADu7OEKAAAAACgAAAAoAAAAZAAAAGQAAAAAAAAAzMzMAAAAAABQAAAAUAAAAGQAAABkAAAAAAAAABcAAAAUAAAAAAAAAAAAAAD/fwAA/38AAAAAAAAJAAAABAAAAAAAAAAMAAAAEAAAAAAAAAAAAAAAAAAAAAAAAAAeAAAAaAAAAAAAAAAAAAAAAAAAAAAAAAAAAAAAECcAABAnAAAAAAAAAAAAAAAAAAAAAAAAAAAAAAAAAAAAAAAAAAAAABQAAAAAAAAAwMD/AAAAAABkAAAAMgAAAAAAAABkAAAAAAAAAH9/fwAKAAAAHwAAAFQAAAAAAAAFAAAAAQAAAAAAAAAAAAAAAAAAAAAAAAAAAAAAAAAAAAAAAAAAAAAAAH9/fwAAAAADzMzMAMDA/wB/f38AAAAAAAAAAAAAAAAAAAAAAAAAAAAhAAAAGAAAABQAAAAAGQAAgQQAAAA3AAABGwAAEAAAACYAAAAIAAAAAQAAAAAAAAA="/>
+            <a:spLocks noGrp="1" noRot="1" noChangeAspect="1" noChangeArrowheads="1"/>
+            <a:extLst>
+              <a:ext uri="smNativeData">
+                <pr:smNativeData xmlns:pr="smNativeData" xmlns:p14="http://schemas.microsoft.com/office/powerpoint/2010/main" xmlns="" val="SMDATA_13_ec9PYBMAAAAlAAAAZAAAAC0AAAAAkAAAAEgAAACQAAAASAAAAAAAAAABAAAAAAAAAAEAAABQAAAAAAAAAAAA4D8AAAAAAADgPwAAAAAAAOA/AAAAAAAA4D8AAAAAAADgPwAAAAAAAOA/AAAAAAAA4D8AAAAAAADgPwAAAAAAAOA/AAAAAAAA4D8CAAAAjAAAAAAAAAAAAAAAT4G9DP///wgAAAAAAAAAAAAAAAAAAAAAAAAAAAAAAAAAAAAAZAAAAAEAAABAAAAAAAAAAAAAAAAAAAAAAAAAAAAAAAAAAAAAAAAAAAAAAAAAAAAAAAAAAAAAAAAAAAAAAAAAAAAAAAAAAAAAAAAAAAAAAAAAAAAAAAAAAAAAAAAAAAAAFAAAADwAAAABAAAAAAAAAAAAAAAUAAAAAQAAACMAAAAjAAAAIwAAAB4AAAAAAAAAZAAAAGQAAAAAAAAAZAAAAGQAAAAVAAAAYAAAAAAAAAAAAAAADwAAACADAAAAAAAAAAAAAAEAAACgMgAAVgcAAKr4//8BAAAAf39/AAEAAABkAAAAAAAAABQAAABAHwAAAAAAACYAAAAAAAAAwOD//wAAAAAmAAAAZAAAABYAAABMAAAAAAAAAAAAAAAEAAAAAAAAAAEAAADu7OEKAAAAACgAAAAoAAAAZAAAAGQAAAAAAAAAzMzMAAAAAABQAAAAUAAAAGQAAABkAAAAAAAAABcAAAAUAAAAAAAAAAAAAAD/fwAA/38AAAAAAAAJAAAABAAAAAAAAAAMAAAAEAAAAAAAAAAAAAAAAAAAAAAAAAAeAAAAaAAAAAAAAAAAAAAAAAAAAAAAAAAAAAAAECcAABAnAAAAAAAAAAAAAAAAAAAAAAAAAAAAAAAAAAAAAAAAAAAAABQAAAAAAAAAwMD/AAAAAABkAAAAMgAAAAAAAABkAAAAAAAAAH9/fwAKAAAAHwAAAFQAAAAAAAAFAAAAAQAAAAAAAAAAAAAAAAAAAAAAAAAAAAAAAAAAAAAAAAAAAAAAAH9/fwAAAAADzMzMAMDA/wB/f38AAAAAAAAAAAAAAAAAAAAAAAAAAAAhAAAAGAAAABQAAAAAGQAAgQQAAAA3AAABGwAAEAAAACYAAAAIAAAAAQAAAAAAAAA="/>
               </a:ext>
             </a:extLst>
           </p:cNvSpPr>
@@ -1217,7 +1258,7 @@
             <a:spLocks noGrp="1" noChangeArrowheads="1"/>
             <a:extLst>
               <a:ext uri="smNativeData">
-                <pr:smNativeData xmlns:pr="smNativeData" val="SMDATA_13_ec9PYBMAAAAlAAAAZAAAAA0AAAAAkAAAAEgAAACQAAAASAAAAAAAAAAAAAAAAAAAAAEAAABQAAAAAAAAAAAA4D8AAAAAAADgPwAAAAAAAOA/AAAAAAAA4D8AAAAAAADgPwAAAAAAAOA/AAAAAAAA4D8AAAAAAADgPwAAAAAAAOA/AAAAAAAA4D8CAAAAjAAAAAAAAAAAAAAA////AP///wgAAAAAAAAAAAAAAAAAAAAAAAAAAAAAAAAAAAAAeAAAAAEAAABAAAAAAAAAAAAAAABaAAAAAAAAAAAAAAAAAAAAAAAAAAAAAAAAAAAAAAAAAAAAAAAAAAAAAAAAAAAAAAAAAAAAAAAAAAAAAAAAAAAAAAAAAAAAAAAAAAAAFAAAADwAAAAAAAAAAAAAAAAAAAAPAAAAAQAAACMAAAAjAAAAIwAAAB4AAAAAAAAAZAAAAGQAAAAAAAAAZAAAAGQAAAAVAAAAYAAAAAAAAAAAAAAADwAAACADAAAAAAAAAAAAAAEAAACgMgAAVgcAAKr4//8BAAAAf39/AAEAAABkAAAAAAAAABQAAABAHwAAAAAAACYAAAAAAAAAwOD//wAAAAAmAAAAZAAAABYAAABMAAAAAAAAAAAAAAAEAAAAAAAAAAEAAADu7OEKAAAAACgAAAAoAAAAZAAAAGQAAAAAAAAAzMzMAAAAAABQAAAAUAAAAGQAAABkAAAAAAAAABcAAAAUAAAAAAAAAAAAAAD/fwAA/38AAAAAAAAJAAAABAAAAAAAAQAMAAAAEAAAAAAAAAAAAAAAAAAAAAAAAAAeAAAAaAAAAAAAAAAAAAAAAAAAAAAAAAAAAAAAECcAABAnAAAAAAAAAAAAAAAAAAAAAAAAAAAAAAAAAAAAAAAAAAAAABQAAAAAAAAAwMD/AAAAAABkAAAAMgAAAAAAAABkAAAAAAAAAH9/fwAKAAAAHwAAAFQAAAD///8AAAAAAQAAAAAAAAAAAAAAAAAAAAAAAAAAAAAAAAAAAAAAAAAAAAAAAH9/fwAAAAADzMzMAMDA/wB/f38AAAAAAAAAAAAAAAAAAAAAAAAAAAAhAAAAGAAAABQAAAAACAAAfxwAAAFIAACANwAAEAAAACYAAAAIAAAAASAAAAAAAAA="/>
+                <pr:smNativeData xmlns:pr="smNativeData" xmlns:p14="http://schemas.microsoft.com/office/powerpoint/2010/main" xmlns="" val="SMDATA_13_ec9PYBMAAAAlAAAAZAAAAA0AAAAAkAAAAEgAAACQAAAASAAAAAAAAAAAAAAAAAAAAAEAAABQAAAAAAAAAAAA4D8AAAAAAADgPwAAAAAAAOA/AAAAAAAA4D8AAAAAAADgPwAAAAAAAOA/AAAAAAAA4D8AAAAAAADgPwAAAAAAAOA/AAAAAAAA4D8CAAAAjAAAAAAAAAAAAAAA////AP///wgAAAAAAAAAAAAAAAAAAAAAAAAAAAAAAAAAAAAAeAAAAAEAAABAAAAAAAAAAAAAAABaAAAAAAAAAAAAAAAAAAAAAAAAAAAAAAAAAAAAAAAAAAAAAAAAAAAAAAAAAAAAAAAAAAAAAAAAAAAAAAAAAAAAAAAAAAAAAAAAAAAAFAAAADwAAAAAAAAAAAAAAAAAAAAPAAAAAQAAACMAAAAjAAAAIwAAAB4AAAAAAAAAZAAAAGQAAAAAAAAAZAAAAGQAAAAVAAAAYAAAAAAAAAAAAAAADwAAACADAAAAAAAAAAAAAAEAAACgMgAAVgcAAKr4//8BAAAAf39/AAEAAABkAAAAAAAAABQAAABAHwAAAAAAACYAAAAAAAAAwOD//wAAAAAmAAAAZAAAABYAAABMAAAAAAAAAAAAAAAEAAAAAAAAAAEAAADu7OEKAAAAACgAAAAoAAAAZAAAAGQAAAAAAAAAzMzMAAAAAABQAAAAUAAAAGQAAABkAAAAAAAAABcAAAAUAAAAAAAAAAAAAAD/fwAA/38AAAAAAAAJAAAABAAAAAAAAQAMAAAAEAAAAAAAAAAAAAAAAAAAAAAAAAAeAAAAaAAAAAAAAAAAAAAAAAAAAAAAAAAAAAAAECcAABAnAAAAAAAAAAAAAAAAAAAAAAAAAAAAAAAAAAAAAAAAAAAAABQAAAAAAAAAwMD/AAAAAABkAAAAMgAAAAAAAABkAAAAAAAAAH9/fwAKAAAAHwAAAFQAAAD///8AAAAAAQAAAAAAAAAAAAAAAAAAAAAAAAAAAAAAAAAAAAAAAAAAAAAAAH9/fwAAAAADzMzMAMDA/wB/f38AAAAAAAAAAAAAAAAAAAAAAAAAAAAhAAAAGAAAABQAAAAACAAAfxwAAAFIAACANwAAEAAAACYAAAAIAAAAASAAAAAAAAA="/>
               </a:ext>
             </a:extLst>
           </p:cNvSpPr>
@@ -1242,6 +1283,7 @@
             <a:pPr>
               <a:defRPr lang="de-de"/>
             </a:pPr>
+            <a:endParaRPr/>
           </a:p>
         </p:txBody>
       </p:sp>
@@ -1254,7 +1296,7 @@
 </file>
 
 <file path=ppt/slideLayouts/slideLayout1.xml><?xml version="1.0" encoding="utf-8"?>
-<p:sldLayout xmlns:p="http://schemas.openxmlformats.org/presentationml/2006/main" xmlns:p14="http://schemas.microsoft.com/office/powerpoint/2010/main" xmlns:r="http://schemas.openxmlformats.org/officeDocument/2006/relationships" xmlns:a="http://schemas.openxmlformats.org/drawingml/2006/main" type="blank" preserve="1">
+<p:sldLayout xmlns:a="http://schemas.openxmlformats.org/drawingml/2006/main" xmlns:r="http://schemas.openxmlformats.org/officeDocument/2006/relationships" xmlns:p="http://schemas.openxmlformats.org/presentationml/2006/main" type="blank" preserve="1">
   <p:cSld name="Titel">
     <p:bg>
       <p:bgPr>
@@ -1285,7 +1327,7 @@
             <a:spLocks noGrp="1" noChangeArrowheads="1"/>
             <a:extLst>
               <a:ext uri="smNativeData">
-                <pr:smNativeData xmlns:pr="smNativeData" val="SMDATA_13_ec9PYBMAAAAlAAAAZAAAAE0AAAAAAAAAAAAAAAAAAAAAAAAAAAAAAAAAAAAAAAAAAAEAAABQAAAAAAAAAAAA4D8AAAAAAADgPwAAAAAAAOA/AAAAAAAA4D8AAAAAAADgPwAAAAAAAOA/AAAAAAAA4D8AAAAAAADgPwAAAAAAAOA/AAAAAAAA4D8CAAAAjAAAAAAAAAAAAAAAT4G9DP///wgAAAAAAAAAAAAAAAAAAAAAAAAAAAAAAAAAAAAAZAAAAAEAAABAAAAAAAAAAAAAAAAAAAAAAAAAAAAAAAAAAAAAAAAAAAAAAAAAAAAAAAAAAAAAAAAAAAAAAAAAAAAAAAAAAAAAAAAAAAAAAAAAAAAAAAAAAAAAAAAAAAAAFAAAADwAAAAAAAAAAAAAAAAAAAkUAAAAAQAAABQAAAAUAAAAFAAAAAEAAAAAAAAAZAAAAGQAAAAAAAAAZAAAAGQAAAAVAAAAYAAAAAAAAAAAAAAADwAAACADAAAAAAAAAAAAAAEAAACgMgAAVgcAAKr4//8BAAAAf39/AAEAAABkAAAAAAAAABQAAABAHwAAAAAAACYAAAAAAAAAwOD//wAAAAAmAAAAZAAAABYAAABMAAAAAAAAAAAAAAAEAAAAAAAAAAEAAADu7OEKAAAAACgAAAAoAAAAZAAAAGQAAAAAAAAAzMzMAAAAAABQAAAAUAAAAGQAAABkAAAAAAAAABcAAAAUAAAAAAAAAAAAAAD/fwAA/38AAAAAAAAJAAAABAAAAGxyPjwMAAAAEAAAAAAAAAAAAAAAAAAAAAAAAAAeAAAAaAAAAAAAAAAAAAAAAAAAAAAAAAAAAAAAECcAABAnAAAAAAAAAAAAAAAAAAAAAAAAAAAAAAAAAAAAAAAAAAAAABQAAAAAAAAAwMD/AAAAAABkAAAAMgAAAAAAAABkAAAAAAAAAH9/fwAKAAAAHwAAAFQAAABPgb0F////AQAAAAAAAAAAAAAAAAAAAAAAAAAAAAAAAAAAAAAAAAAAAAAAAn9/fwDu7OEDzMzMAMDA/wB/f38AAAAAAAAAAAAAAAAAAAAAAAAAAAAhAAAAGAAAABQAAADIBQAAoCMAAMg9AADmJQAAECAAACYAAAAIAAAAPbAAAAAAAAA="/>
+                <pr:smNativeData xmlns:pr="smNativeData" xmlns:p14="http://schemas.microsoft.com/office/powerpoint/2010/main" xmlns="" val="SMDATA_13_ec9PYBMAAAAlAAAAZAAAAE0AAAAAAAAAAAAAAAAAAAAAAAAAAAAAAAAAAAAAAAAAAAEAAABQAAAAAAAAAAAA4D8AAAAAAADgPwAAAAAAAOA/AAAAAAAA4D8AAAAAAADgPwAAAAAAAOA/AAAAAAAA4D8AAAAAAADgPwAAAAAAAOA/AAAAAAAA4D8CAAAAjAAAAAAAAAAAAAAAT4G9DP///wgAAAAAAAAAAAAAAAAAAAAAAAAAAAAAAAAAAAAAZAAAAAEAAABAAAAAAAAAAAAAAAAAAAAAAAAAAAAAAAAAAAAAAAAAAAAAAAAAAAAAAAAAAAAAAAAAAAAAAAAAAAAAAAAAAAAAAAAAAAAAAAAAAAAAAAAAAAAAAAAAAAAAFAAAADwAAAAAAAAAAAAAAAAAAAkUAAAAAQAAABQAAAAUAAAAFAAAAAEAAAAAAAAAZAAAAGQAAAAAAAAAZAAAAGQAAAAVAAAAYAAAAAAAAAAAAAAADwAAACADAAAAAAAAAAAAAAEAAACgMgAAVgcAAKr4//8BAAAAf39/AAEAAABkAAAAAAAAABQAAABAHwAAAAAAACYAAAAAAAAAwOD//wAAAAAmAAAAZAAAABYAAABMAAAAAAAAAAAAAAAEAAAAAAAAAAEAAADu7OEKAAAAACgAAAAoAAAAZAAAAGQAAAAAAAAAzMzMAAAAAABQAAAAUAAAAGQAAABkAAAAAAAAABcAAAAUAAAAAAAAAAAAAAD/fwAA/38AAAAAAAAJAAAABAAAAGxyPjwMAAAAEAAAAAAAAAAAAAAAAAAAAAAAAAAeAAAAaAAAAAAAAAAAAAAAAAAAAAAAAAAAAAAAECcAABAnAAAAAAAAAAAAAAAAAAAAAAAAAAAAAAAAAAAAAAAAAAAAABQAAAAAAAAAwMD/AAAAAABkAAAAMgAAAAAAAABkAAAAAAAAAH9/fwAKAAAAHwAAAFQAAABPgb0F////AQAAAAAAAAAAAAAAAAAAAAAAAAAAAAAAAAAAAAAAAAAAAAAAAn9/fwDu7OEDzMzMAMDA/wB/f38AAAAAAAAAAAAAAAAAAAAAAAAAAAAhAAAAGAAAABQAAADIBQAAoCMAAMg9AADmJQAAECAAACYAAAAIAAAAPbAAAAAAAAA="/>
               </a:ext>
             </a:extLst>
           </p:cNvSpPr>
@@ -1347,6 +1389,7 @@
             <a:pPr>
               <a:defRPr lang="de-de"/>
             </a:pPr>
+            <a:endParaRPr/>
           </a:p>
         </p:txBody>
       </p:sp>
@@ -1357,7 +1400,7 @@
             <a:spLocks noGrp="1" noChangeArrowheads="1"/>
             <a:extLst>
               <a:ext uri="smNativeData">
-                <pr:smNativeData xmlns:pr="smNativeData" val="SMDATA_13_ec9PYBMAAAAlAAAAZAAAAE0AAAAAAAAAAAAAAAAAAAAAAAAAAAAAAAAAAAAAAAAAAAEAAABQAAAAAAAAAAAA4D8AAAAAAADgPwAAAAAAAOA/AAAAAAAA4D8AAAAAAADgPwAAAAAAAOA/AAAAAAAA4D8AAAAAAADgPwAAAAAAAOA/AAAAAAAA4D8CAAAAjAAAAAAAAAAAAAAAT4G9DP///wgAAAAAAAAAAAAAAAAAAAAAAAAAAAAAAAAAAAAAZAAAAAEAAABAAAAAAAAAAAAAAAAAAAAAAAAAAAAAAAAAAAAAAAAAAAAAAAAAAAAAAAAAAAAAAAAAAAAAAAAAAAAAAAAAAAAAAAAAAAAAAAAAAAAAAAAAAAAAAAAAAAAAFAAAADwAAAAAAAAAAAAAAAAAAAkUAAAAAQAAABQAAAAUAAAAFAAAAAEAAAAAAAAAZAAAAGQAAAAAAAAAZAAAAGQAAAAVAAAAYAAAAAAAAAAAAAAADwAAACADAAAAAAAAAAAAAAEAAACgMgAAVgcAAKr4//8BAAAAf39/AAEAAABkAAAAAAAAABQAAABAHwAAAAAAACYAAAAAAAAAwOD//wAAAAAmAAAAZAAAABYAAABMAAAAAAAAAAAAAAAEAAAAAAAAAAEAAADu7OEKAAAAACgAAAAoAAAAZAAAAGQAAAAAAAAAzMzMAAAAAABQAAAAUAAAAGQAAABkAAAAAAAAABcAAAAUAAAAAAAAAAAAAAD/fwAA/38AAAAAAAAJAAAABAAAAAAAAAAMAAAAEAAAAAAAAAAAAAAAAAAAAAAAAAAeAAAAaAAAAAAAAAAAAAAAAAAAAAAAAAAAAAAAECcAABAnAAAAAAAAAAAAAAAAAAAAAAAAAAAAAAAAAAAAAAAAAAAAABQAAAAAAAAAwMD/AAAAAABkAAAAMgAAAAAAAABkAAAAAAAAAH9/fwAKAAAAHwAAAFQAAABPgb0F////AQAAAAAAAAAAAAAAAAAAAAAAAAAAAAAAAAAAAAAAAAAAAAAAAn9/fwDu7OEDzMzMAMDA/wB/f38AAAAAAAAAAAAAAAAAAAAAAAAAAAAhAAAAGAAAABQAAACSBQAAmBwAAERIAABGIgAAECAAACYAAAAIAAAAAYAAAAAAAAA="/>
+                <pr:smNativeData xmlns:pr="smNativeData" xmlns:p14="http://schemas.microsoft.com/office/powerpoint/2010/main" xmlns="" val="SMDATA_13_ec9PYBMAAAAlAAAAZAAAAE0AAAAAAAAAAAAAAAAAAAAAAAAAAAAAAAAAAAAAAAAAAAEAAABQAAAAAAAAAAAA4D8AAAAAAADgPwAAAAAAAOA/AAAAAAAA4D8AAAAAAADgPwAAAAAAAOA/AAAAAAAA4D8AAAAAAADgPwAAAAAAAOA/AAAAAAAA4D8CAAAAjAAAAAAAAAAAAAAAT4G9DP///wgAAAAAAAAAAAAAAAAAAAAAAAAAAAAAAAAAAAAAZAAAAAEAAABAAAAAAAAAAAAAAAAAAAAAAAAAAAAAAAAAAAAAAAAAAAAAAAAAAAAAAAAAAAAAAAAAAAAAAAAAAAAAAAAAAAAAAAAAAAAAAAAAAAAAAAAAAAAAAAAAAAAAFAAAADwAAAAAAAAAAAAAAAAAAAkUAAAAAQAAABQAAAAUAAAAFAAAAAEAAAAAAAAAZAAAAGQAAAAAAAAAZAAAAGQAAAAVAAAAYAAAAAAAAAAAAAAADwAAACADAAAAAAAAAAAAAAEAAACgMgAAVgcAAKr4//8BAAAAf39/AAEAAABkAAAAAAAAABQAAABAHwAAAAAAACYAAAAAAAAAwOD//wAAAAAmAAAAZAAAABYAAABMAAAAAAAAAAAAAAAEAAAAAAAAAAEAAADu7OEKAAAAACgAAAAoAAAAZAAAAGQAAAAAAAAAzMzMAAAAAABQAAAAUAAAAGQAAABkAAAAAAAAABcAAAAUAAAAAAAAAAAAAAD/fwAA/38AAAAAAAAJAAAABAAAAAAAAAAMAAAAEAAAAAAAAAAAAAAAAAAAAAAAAAAeAAAAaAAAAAAAAAAAAAAAAAAAAAAAAAAAAAAAECcAABAnAAAAAAAAAAAAAAAAAAAAAAAAAAAAAAAAAAAAAAAAAAAAABQAAAAAAAAAwMD/AAAAAABkAAAAMgAAAAAAAABkAAAAAAAAAH9/fwAKAAAAHwAAAFQAAABPgb0F////AQAAAAAAAAAAAAAAAAAAAAAAAAAAAAAAAAAAAAAAAAAAAAAAAn9/fwDu7OEDzMzMAMDA/wB/f38AAAAAAAAAAAAAAAAAAAAAAAAAAAAhAAAAGAAAABQAAACSBQAAmBwAAERIAABGIgAAECAAACYAAAAIAAAAAYAAAAAAAAA="/>
               </a:ext>
             </a:extLst>
           </p:cNvSpPr>
@@ -1426,7 +1469,7 @@
             <a:spLocks noGrp="1" noChangeArrowheads="1"/>
             <a:extLst>
               <a:ext uri="smNativeData">
-                <pr:smNativeData xmlns:pr="smNativeData" val="SMDATA_13_ec9PYBMAAAAlAAAAZAAAAE0AAAAAAAAAAAAAAAAAAAAAAAAAAAAAAAAAAAAAAAAAAAEAAABQAAAAAAAAAAAA4D8AAAAAAADgPwAAAAAAAOA/AAAAAAAA4D8AAAAAAADgPwAAAAAAAOA/AAAAAAAA4D8AAAAAAADgPwAAAAAAAOA/AAAAAAAA4D8CAAAAjAAAAAAAAAAAAAAAT4G9DP///wgAAAAAAAAAAAAAAAAAAAAAAAAAAAAAAAAAAAAAZAAAAAEAAABAAAAAAAAAAAAAAAAAAAAAAAAAAAAAAAAAAAAAAAAAAAAAAAAAAAAAAAAAAAAAAAAAAAAAAAAAAAAAAAAAAAAAAAAAAAAAAAAAAAAAAAAAAAAAAAAAAAAAFAAAADwAAAAAAAAAAAAAAAAAAAkUAAAAAQAAABQAAAAUAAAAFAAAAAEAAAAAAAAAZAAAAGQAAAAAAAAAZAAAAGQAAAAVAAAAYAAAAAAAAAAAAAAADwAAACADAAAAAAAAAAAAAAEAAACgMgAAVgcAAKr4//8BAAAAf39/AAEAAABkAAAAAAAAABQAAABAHwAAAAAAACYAAAAAAAAAwOD//wAAAAAmAAAAZAAAABYAAABMAAAAAAAAAAAAAAAEAAAAAAAAAAEAAADu7OEKAAAAACgAAAAoAAAAZAAAAGQAAAAAAAAAzMzMAAAAAABQAAAAUAAAAGQAAABkAAAAAAAAABcAAAAUAAAAAAAAAAAAAAD/fwAA/38AAAAAAAAJAAAABAAAAHR5bGUMAAAAEAAAAAAAAAAAAAAAAAAAAAAAAAAeAAAAaAAAAAAAAAAAAAAAAAAAAAAAAAAAAAAAECcAABAnAAAAAAAAAAAAAAAAAAAAAAAAAAAAAAAAAAAAAAAAAAAAABQAAAAAAAAAwMD/AAAAAABkAAAAMgAAAAAAAABkAAAAAAAAAH9/fwAKAAAAHwAAAFQAAABPgb0F////AQAAAAAAAAAAAAAAAAAAAAAAAAAAAAAAAAAAAAAAAAAAAAAAAn9/fwDu7OEDzMzMAMDA/wB/f38AAAAAAAAAAAAAAAAAAAAAAAAAAAAhAAAAGAAAABQAAADIBQAAyBkAAGg4AACZGwAAECAAACYAAAAIAAAAPYAAAAAAAAA="/>
+                <pr:smNativeData xmlns:pr="smNativeData" xmlns:p14="http://schemas.microsoft.com/office/powerpoint/2010/main" xmlns="" val="SMDATA_13_ec9PYBMAAAAlAAAAZAAAAE0AAAAAAAAAAAAAAAAAAAAAAAAAAAAAAAAAAAAAAAAAAAEAAABQAAAAAAAAAAAA4D8AAAAAAADgPwAAAAAAAOA/AAAAAAAA4D8AAAAAAADgPwAAAAAAAOA/AAAAAAAA4D8AAAAAAADgPwAAAAAAAOA/AAAAAAAA4D8CAAAAjAAAAAAAAAAAAAAAT4G9DP///wgAAAAAAAAAAAAAAAAAAAAAAAAAAAAAAAAAAAAAZAAAAAEAAABAAAAAAAAAAAAAAAAAAAAAAAAAAAAAAAAAAAAAAAAAAAAAAAAAAAAAAAAAAAAAAAAAAAAAAAAAAAAAAAAAAAAAAAAAAAAAAAAAAAAAAAAAAAAAAAAAAAAAFAAAADwAAAAAAAAAAAAAAAAAAAkUAAAAAQAAABQAAAAUAAAAFAAAAAEAAAAAAAAAZAAAAGQAAAAAAAAAZAAAAGQAAAAVAAAAYAAAAAAAAAAAAAAADwAAACADAAAAAAAAAAAAAAEAAACgMgAAVgcAAKr4//8BAAAAf39/AAEAAABkAAAAAAAAABQAAABAHwAAAAAAACYAAAAAAAAAwOD//wAAAAAmAAAAZAAAABYAAABMAAAAAAAAAAAAAAAEAAAAAAAAAAEAAADu7OEKAAAAACgAAAAoAAAAZAAAAGQAAAAAAAAAzMzMAAAAAABQAAAAUAAAAGQAAABkAAAAAAAAABcAAAAUAAAAAAAAAAAAAAD/fwAA/38AAAAAAAAJAAAABAAAAHR5bGUMAAAAEAAAAAAAAAAAAAAAAAAAAAAAAAAeAAAAaAAAAAAAAAAAAAAAAAAAAAAAAAAAAAAAECcAABAnAAAAAAAAAAAAAAAAAAAAAAAAAAAAAAAAAAAAAAAAAAAAABQAAAAAAAAAwMD/AAAAAABkAAAAMgAAAAAAAABkAAAAAAAAAH9/fwAKAAAAHwAAAFQAAABPgb0F////AQAAAAAAAAAAAAAAAAAAAAAAAAAAAAAAAAAAAAAAAAAAAAAAAn9/fwDu7OEDzMzMAMDA/wB/f38AAAAAAAAAAAAAAAAAAAAAAAAAAAAhAAAAGAAAABQAAADIBQAAyBkAAGg4AACZGwAAECAAACYAAAAIAAAAPYAAAAAAAAA="/>
               </a:ext>
             </a:extLst>
           </p:cNvSpPr>
@@ -1501,7 +1544,7 @@
 </file>
 
 <file path=ppt/slideLayouts/slideLayout2.xml><?xml version="1.0" encoding="utf-8"?>
-<p:sldLayout xmlns:p="http://schemas.openxmlformats.org/presentationml/2006/main" xmlns:p14="http://schemas.microsoft.com/office/powerpoint/2010/main" xmlns:r="http://schemas.openxmlformats.org/officeDocument/2006/relationships" xmlns:a="http://schemas.openxmlformats.org/drawingml/2006/main" type="blank" preserve="1">
+<p:sldLayout xmlns:a="http://schemas.openxmlformats.org/drawingml/2006/main" xmlns:r="http://schemas.openxmlformats.org/officeDocument/2006/relationships" xmlns:p="http://schemas.openxmlformats.org/presentationml/2006/main" type="blank" preserve="1">
   <p:cSld name="Textfolie">
     <p:spTree>
       <p:nvGrpSpPr>
@@ -1524,7 +1567,7 @@
             <a:spLocks noGrp="1" noChangeArrowheads="1"/>
             <a:extLst>
               <a:ext uri="smNativeData">
-                <pr:smNativeData xmlns:pr="smNativeData" val="SMDATA_13_ec9PYBMAAAAlAAAAZAAAAE0AAAAAAAAAAAAAAAAAAAAAAAAAAAAAAAAAAAAAAAAAAAEAAABQAAAAAAAAAAAA4D8AAAAAAADgPwAAAAAAAOA/AAAAAAAA4D8AAAAAAADgPwAAAAAAAOA/AAAAAAAA4D8AAAAAAADgPwAAAAAAAOA/AAAAAAAA4D8CAAAAjAAAAAAAAAAAAAAAT4G9DP///wgAAAAAAAAAAAAAAAAAAAAAAAAAAAAAAAAAAAAAZAAAAAEAAABAAAAAAAAAAAAAAAAAAAAAAAAAAAAAAAAAAAAAAAAAAAAAAAAAAAAAAAAAAAAAAAAAAAAAAAAAAAAAAAAAAAAAAAAAAAAAAAAAAAAAAAAAAAAAAAAAAAAAFAAAADwAAAAAAAAAAAAAAAAAAAkUAAAAAQAAABQAAAAUAAAAFAAAAAEAAAAAAAAAZAAAAGQAAAAAAAAAZAAAAGQAAAAVAAAAYAAAAAAAAAAAAAAADwAAACADAAAAAAAAAAAAAAEAAACgMgAAVgcAAKr4//8BAAAAf39/AAEAAABkAAAAAAAAABQAAABAHwAAAAAAACYAAAAAAAAAwOD//wAAAAAmAAAAZAAAABYAAABMAAAAAAAAAAAAAAAEAAAAAAAAAAEAAADu7OEKAAAAACgAAAAoAAAAZAAAAGQAAAAAAAAAzMzMAAAAAABQAAAAUAAAAGQAAABkAAAAAAAAABcAAAAUAAAAAAAAAAAAAAD/fwAA/38AAAAAAAAJAAAABAAAAAAAAAAMAAAAEAAAAAAAAAAAAAAAAAAAAAAAAAAeAAAAaAAAAAAAAAAAAAAAAAAAAAAAAAAAAAAAECcAABAnAAAAAAAAAAAAAAAAAAAAAAAAAAAAAAAAAAAAAAAAAAAAABQAAAAAAAAAwMD/AAAAAABkAAAAMgAAAAAAAABkAAAAAAAAAH9/fwAKAAAAHwAAAFQAAABPgb0F////AQAAAAAAAAAAAAAAAAAAAAAAAAAAAAAAAAAAAAAAAAAAAAAAAn9/fwDu7OEDzMzMAMDA/wB/f38AAAAAAAAAAAAAAAAAAAAAAAAAAAAhAAAAGAAAABQAAADIBQAAiQsAAHpIAACzDwAAECAAACYAAAAIAAAAPYAAAAAAAAA="/>
+                <pr:smNativeData xmlns:pr="smNativeData" xmlns:p14="http://schemas.microsoft.com/office/powerpoint/2010/main" xmlns="" val="SMDATA_13_ec9PYBMAAAAlAAAAZAAAAE0AAAAAAAAAAAAAAAAAAAAAAAAAAAAAAAAAAAAAAAAAAAEAAABQAAAAAAAAAAAA4D8AAAAAAADgPwAAAAAAAOA/AAAAAAAA4D8AAAAAAADgPwAAAAAAAOA/AAAAAAAA4D8AAAAAAADgPwAAAAAAAOA/AAAAAAAA4D8CAAAAjAAAAAAAAAAAAAAAT4G9DP///wgAAAAAAAAAAAAAAAAAAAAAAAAAAAAAAAAAAAAAZAAAAAEAAABAAAAAAAAAAAAAAAAAAAAAAAAAAAAAAAAAAAAAAAAAAAAAAAAAAAAAAAAAAAAAAAAAAAAAAAAAAAAAAAAAAAAAAAAAAAAAAAAAAAAAAAAAAAAAAAAAAAAAFAAAADwAAAAAAAAAAAAAAAAAAAkUAAAAAQAAABQAAAAUAAAAFAAAAAEAAAAAAAAAZAAAAGQAAAAAAAAAZAAAAGQAAAAVAAAAYAAAAAAAAAAAAAAADwAAACADAAAAAAAAAAAAAAEAAACgMgAAVgcAAKr4//8BAAAAf39/AAEAAABkAAAAAAAAABQAAABAHwAAAAAAACYAAAAAAAAAwOD//wAAAAAmAAAAZAAAABYAAABMAAAAAAAAAAAAAAAEAAAAAAAAAAEAAADu7OEKAAAAACgAAAAoAAAAZAAAAGQAAAAAAAAAzMzMAAAAAABQAAAAUAAAAGQAAABkAAAAAAAAABcAAAAUAAAAAAAAAAAAAAD/fwAA/38AAAAAAAAJAAAABAAAAAAAAAAMAAAAEAAAAAAAAAAAAAAAAAAAAAAAAAAeAAAAaAAAAAAAAAAAAAAAAAAAAAAAAAAAAAAAECcAABAnAAAAAAAAAAAAAAAAAAAAAAAAAAAAAAAAAAAAAAAAAAAAABQAAAAAAAAAwMD/AAAAAABkAAAAMgAAAAAAAABkAAAAAAAAAH9/fwAKAAAAHwAAAFQAAABPgb0F////AQAAAAAAAAAAAAAAAAAAAAAAAAAAAAAAAAAAAAAAAAAAAAAAAn9/fwDu7OEDzMzMAMDA/wB/f38AAAAAAAAAAAAAAAAAAAAAAAAAAAAhAAAAGAAAABQAAADIBQAAiQsAAHpIAACzDwAAECAAACYAAAAIAAAAPYAAAAAAAAA="/>
               </a:ext>
             </a:extLst>
           </p:cNvSpPr>
@@ -1584,6 +1627,7 @@
             <a:pPr>
               <a:defRPr lang="de-de"/>
             </a:pPr>
+            <a:endParaRPr/>
           </a:p>
         </p:txBody>
       </p:sp>
@@ -1594,7 +1638,7 @@
             <a:spLocks noGrp="1" noChangeArrowheads="1"/>
             <a:extLst>
               <a:ext uri="smNativeData">
-                <pr:smNativeData xmlns:pr="smNativeData" val="SMDATA_13_ec9PYBMAAAAlAAAAZAAAAE0AAAAAAAAAAAAAAAAAAAAAAAAAAAAAAAAAAAAAAAAAAAEAAABQAAAAAAAAAAAA4D8AAAAAAADgPwAAAAAAAOA/AAAAAAAA4D8AAAAAAADgPwAAAAAAAOA/AAAAAAAA4D8AAAAAAADgPwAAAAAAAOA/AAAAAAAA4D8CAAAAjAAAAAAAAAAAAAAAT4G9DP///wgAAAAAAAAAAAAAAAAAAAAAAAAAAAAAAAAAAAAAZAAAAAEAAABAAAAAAAAAAAAAAAAAAAAAAAAAAAAAAAAAAAAAAAAAAAAAAAAAAAAAAAAAAAAAAAAAAAAAAAAAAAAAAAAAAAAAAAAAAAAAAAAAAAAAAAAAAAAAAAAAAAAAFAAAADwAAAAAAAAAAAAAAAAAAAkUAAAAAQAAABQAAAAUAAAAFAAAAAEAAAAAAAAAZAAAAGQAAAAAAAAAZAAAAGQAAAAVAAAAYAAAAAAAAAAAAAAADwAAACADAAAAAAAAAAAAAAEAAACgMgAAVgcAAKr4//8BAAAAf39/AAEAAABkAAAAAAAAABQAAABAHwAAAAAAACYAAAAAAAAAwOD//wAAAAAmAAAAZAAAABYAAABMAAAAAAAAAAAAAAAEAAAAAAAAAAEAAADu7OEKAAAAACgAAAAoAAAAZAAAAGQAAAAAAAAAzMzMAAAAAABQAAAAUAAAAGQAAABkAAAAAAAAABcAAAAUAAAAAAAAAAAAAAD/fwAA/38AAAAAAAAJAAAABAAAAHZhbD0MAAAAEAAAAAAAAAAAAAAAAAAAAAAAAAAeAAAAaAAAAAAAAAAAAAAAAAAAAAAAAAAAAAAAECcAABAnAAAAAAAAAAAAAAAAAAAAAAAAAAAAAAAAAAAAAAAAAAAAABQAAAAAAAAAwMD/AAAAAABkAAAAMgAAAAAAAABkAAAAAAAAAH9/fwAKAAAAHwAAAFQAAABPgb0F////AQAAAAAAAAAAAAAAAAAAAAAAAAAAAAAAAAAAAAAAAAAAAAAAAn9/fwDu7OEDzMzMAMDA/wB/f38AAAAAAAAAAAAAAAAAAAAAAAAAAAAhAAAAGAAAABQAAADIBQAAwBIAAHpIAAAGFQAAECAAACYAAAAIAAAAPYAAAAAAAAA="/>
+                <pr:smNativeData xmlns:pr="smNativeData" xmlns:p14="http://schemas.microsoft.com/office/powerpoint/2010/main" xmlns="" val="SMDATA_13_ec9PYBMAAAAlAAAAZAAAAE0AAAAAAAAAAAAAAAAAAAAAAAAAAAAAAAAAAAAAAAAAAAEAAABQAAAAAAAAAAAA4D8AAAAAAADgPwAAAAAAAOA/AAAAAAAA4D8AAAAAAADgPwAAAAAAAOA/AAAAAAAA4D8AAAAAAADgPwAAAAAAAOA/AAAAAAAA4D8CAAAAjAAAAAAAAAAAAAAAT4G9DP///wgAAAAAAAAAAAAAAAAAAAAAAAAAAAAAAAAAAAAAZAAAAAEAAABAAAAAAAAAAAAAAAAAAAAAAAAAAAAAAAAAAAAAAAAAAAAAAAAAAAAAAAAAAAAAAAAAAAAAAAAAAAAAAAAAAAAAAAAAAAAAAAAAAAAAAAAAAAAAAAAAAAAAFAAAADwAAAAAAAAAAAAAAAAAAAkUAAAAAQAAABQAAAAUAAAAFAAAAAEAAAAAAAAAZAAAAGQAAAAAAAAAZAAAAGQAAAAVAAAAYAAAAAAAAAAAAAAADwAAACADAAAAAAAAAAAAAAEAAACgMgAAVgcAAKr4//8BAAAAf39/AAEAAABkAAAAAAAAABQAAABAHwAAAAAAACYAAAAAAAAAwOD//wAAAAAmAAAAZAAAABYAAABMAAAAAAAAAAAAAAAEAAAAAAAAAAEAAADu7OEKAAAAACgAAAAoAAAAZAAAAGQAAAAAAAAAzMzMAAAAAABQAAAAUAAAAGQAAABkAAAAAAAAABcAAAAUAAAAAAAAAAAAAAD/fwAA/38AAAAAAAAJAAAABAAAAHZhbD0MAAAAEAAAAAAAAAAAAAAAAAAAAAAAAAAeAAAAaAAAAAAAAAAAAAAAAAAAAAAAAAAAAAAAECcAABAnAAAAAAAAAAAAAAAAAAAAAAAAAAAAAAAAAAAAAAAAAAAAABQAAAAAAAAAwMD/AAAAAABkAAAAMgAAAAAAAABkAAAAAAAAAH9/fwAKAAAAHwAAAFQAAABPgb0F////AQAAAAAAAAAAAAAAAAAAAAAAAAAAAAAAAAAAAAAAAAAAAAAAAn9/fwDu7OEDzMzMAMDA/wB/f38AAAAAAAAAAAAAAAAAAAAAAAAAAAAhAAAAGAAAABQAAADIBQAAwBIAAHpIAAAGFQAAECAAACYAAAAIAAAAPYAAAAAAAAA="/>
               </a:ext>
             </a:extLst>
           </p:cNvSpPr>
@@ -1654,6 +1698,7 @@
             <a:pPr>
               <a:defRPr lang="de-de"/>
             </a:pPr>
+            <a:endParaRPr/>
           </a:p>
         </p:txBody>
       </p:sp>
@@ -1664,7 +1709,7 @@
             <a:spLocks noGrp="1" noChangeArrowheads="1"/>
             <a:extLst>
               <a:ext uri="smNativeData">
-                <pr:smNativeData xmlns:pr="smNativeData" val="SMDATA_13_ec9PYBMAAAAlAAAAZAAAAA0AAAAAAAAAAAAAAAAAAAAAAAAAAAAAAAAAAAAAAAAAAAEAAABQAAAAAAAAAAAA4D8AAAAAAADgPwAAAAAAAOA/AAAAAAAA4D8AAAAAAADgPwAAAAAAAOA/AAAAAAAA4D8AAAAAAADgPwAAAAAAAOA/AAAAAAAA4D8CAAAAjAAAAAAAAAAAAAAAT4G9DP///wgAAAAAAAAAAAAAAAAAAAAAAAAAAAAAAAAAAAAAZAAAAAEAAABAAAAAAAAAAAAAAAAAAAAAAAAAAAAAAAAAAAAAAAAAAAAAAAAAAAAAAAAAAAAAAAAAAAAAAAAAAAAAAAAAAAAAAAAAAAAAAAAAAAAAAAAAAAAAAAAAAAAAFAAAADwAAAAAAAAAAAAAAAAAAAkUAAAAAQAAABQAAAAUAAAAFAAAAAEAAAAAAAAAZAAAAGQAAAAAAAAAZAAAAGQAAAAVAAAAYAAAAAAAAAAAAAAADwAAACADAAAAAAAAAAAAAAEAAACgMgAAVgcAAKr4//8BAAAAf39/AAEAAABkAAAAAAAAABQAAABAHwAAAAAAACYAAAAAAAAAwOD//wAAAAAmAAAAZAAAABYAAABMAAAAAAAAAAAAAAAEAAAAAAAAAAEAAADu7OEKAAAAACgAAAAoAAAAZAAAAGQAAAAAAAAAzMzMAAAAAABQAAAAUAAAAGQAAABkAAAAAAAAABcAAAAUAAAAAAAAAAAAAAD/fwAA/38AAAAAAAAJAAAABAAAAAAAAAAMAAAAEAAAAAAAAAAAAAAAAAAAAAAAAAAeAAAAaAAAAAAAAAAAAAAAAAAAAAAAAAAAAAAAECcAABAnAAAAAAAAAAAAAAAAAAAAAAAAAAAAAAAAAAAAAAAAAAAAABQAAAAAAAAAwMD/AAAAAABkAAAAMgAAAAAAAABkAAAAAAAAAH9/fwAKAAAAHwAAAFQAAABPgb0F////AQAAAAAAAAAAAAAAAAAAAAAAAAAAAAAAAAAAAAAAAAAAAAAAAn9/fwDu7OEDzMzMAMDA/wB/f38AAAAAAAAAAAAAAAAAAAAAAAAAAAAhAAAAGAAAABQAAAAAAAAAAAAAAAAAAAAAAAAAAAAAACYAAAAIAAAAPIAAAAAAAAA="/>
+                <pr:smNativeData xmlns:pr="smNativeData" xmlns:p14="http://schemas.microsoft.com/office/powerpoint/2010/main" xmlns="" val="SMDATA_13_ec9PYBMAAAAlAAAAZAAAAA0AAAAAAAAAAAAAAAAAAAAAAAAAAAAAAAAAAAAAAAAAAAEAAABQAAAAAAAAAAAA4D8AAAAAAADgPwAAAAAAAOA/AAAAAAAA4D8AAAAAAADgPwAAAAAAAOA/AAAAAAAA4D8AAAAAAADgPwAAAAAAAOA/AAAAAAAA4D8CAAAAjAAAAAAAAAAAAAAAT4G9DP///wgAAAAAAAAAAAAAAAAAAAAAAAAAAAAAAAAAAAAAZAAAAAEAAABAAAAAAAAAAAAAAAAAAAAAAAAAAAAAAAAAAAAAAAAAAAAAAAAAAAAAAAAAAAAAAAAAAAAAAAAAAAAAAAAAAAAAAAAAAAAAAAAAAAAAAAAAAAAAAAAAAAAAFAAAADwAAAAAAAAAAAAAAAAAAAkUAAAAAQAAABQAAAAUAAAAFAAAAAEAAAAAAAAAZAAAAGQAAAAAAAAAZAAAAGQAAAAVAAAAYAAAAAAAAAAAAAAADwAAACADAAAAAAAAAAAAAAEAAACgMgAAVgcAAKr4//8BAAAAf39/AAEAAABkAAAAAAAAABQAAABAHwAAAAAAACYAAAAAAAAAwOD//wAAAAAmAAAAZAAAABYAAABMAAAAAAAAAAAAAAAEAAAAAAAAAAEAAADu7OEKAAAAACgAAAAoAAAAZAAAAGQAAAAAAAAAzMzMAAAAAABQAAAAUAAAAGQAAABkAAAAAAAAABcAAAAUAAAAAAAAAAAAAAD/fwAA/38AAAAAAAAJAAAABAAAAAAAAAAMAAAAEAAAAAAAAAAAAAAAAAAAAAAAAAAeAAAAaAAAAAAAAAAAAAAAAAAAAAAAAAAAAAAAECcAABAnAAAAAAAAAAAAAAAAAAAAAAAAAAAAAAAAAAAAAAAAAAAAABQAAAAAAAAAwMD/AAAAAABkAAAAMgAAAAAAAABkAAAAAAAAAH9/fwAKAAAAHwAAAFQAAABPgb0F////AQAAAAAAAAAAAAAAAAAAAAAAAAAAAAAAAAAAAAAAAAAAAAAAAn9/fwDu7OEDzMzMAMDA/wB/f38AAAAAAAAAAAAAAAAAAAAAAAAAAAAhAAAAGAAAABQAAAAAAAAAAAAAAAAAAAAAAAAAAAAAACYAAAAIAAAAPIAAAAAAAAA="/>
               </a:ext>
             </a:extLst>
           </p:cNvSpPr>
@@ -1730,7 +1775,7 @@
             <a:spLocks noGrp="1" noChangeArrowheads="1"/>
             <a:extLst>
               <a:ext uri="smNativeData">
-                <pr:smNativeData xmlns:pr="smNativeData" val="SMDATA_13_ec9PYBMAAAAlAAAAZAAAAA0AAAAAAAAAAAAAAAAAAAAAAAAAAAAAAAAAAAAAAAAAAAEAAABQAAAAAAAAAAAA4D8AAAAAAADgPwAAAAAAAOA/AAAAAAAA4D8AAAAAAADgPwAAAAAAAOA/AAAAAAAA4D8AAAAAAADgPwAAAAAAAOA/AAAAAAAA4D8CAAAAjAAAAAAAAAAAAAAAT4G9DP///wgAAAAAAAAAAAAAAAAAAAAAAAAAAAAAAAAAAAAAZAAAAAEAAABAAAAAAAAAAAAAAAAAAAAAAAAAAAAAAAAAAAAAAAAAAAAAAAAAAAAAAAAAAAAAAAAAAAAAAAAAAAAAAAAAAAAAAAAAAAAAAAAAAAAAAAAAAAAAAAAAAAAAFAAAADwAAAAAAAAAAAAAAAAAAAkUAAAAAQAAABQAAAAUAAAAFAAAAAEAAAAAAAAAZAAAAGQAAAAAAAAAZAAAAGQAAAAVAAAAYAAAAAAAAAAAAAAADwAAACADAAAAAAAAAAAAAAEAAACgMgAAVgcAAKr4//8BAAAAf39/AAEAAABkAAAAAAAAABQAAABAHwAAAAAAACYAAAAAAAAAwOD//wAAAAAmAAAAZAAAABYAAABMAAAAAAAAAAAAAAAEAAAAAAAAAAEAAADu7OEKAAAAACgAAAAoAAAAZAAAAGQAAAAAAAAAzMzMAAAAAABQAAAAUAAAAGQAAABkAAAAAAAAABcAAAAUAAAAAAAAAAAAAAD/fwAA/38AAAAAAAAJAAAABAAAANHNIgMMAAAAEAAAAAAAAAAAAAAAAAAAAAAAAAAeAAAAaAAAAAAAAAAAAAAAAAAAAAAAAAAAAAAAECcAABAnAAAAAAAAAAAAAAAAAAAAAAAAAAAAAAAAAAAAAAAAAAAAABQAAAAAAAAAwMD/AAAAAABkAAAAMgAAAAAAAABkAAAAAAAAAH9/fwAKAAAAHwAAAFQAAABPgb0F////AQAAAAAAAAAAAAAAAAAAAAAAAAAAAAAAAAAAAAAAAAAAAAAAAn9/fwDu7OEDzMzMAMDA/wB/f38AAAAAAAAAAAAAAAAAAAAAAAAAAAAhAAAAGAAAABQAAADqAQAA4DgAAPAKAACYOgAAAAAAACYAAAAIAAAAPIAAAAAAAAA="/>
+                <pr:smNativeData xmlns:pr="smNativeData" xmlns:p14="http://schemas.microsoft.com/office/powerpoint/2010/main" xmlns="" val="SMDATA_13_ec9PYBMAAAAlAAAAZAAAAA0AAAAAAAAAAAAAAAAAAAAAAAAAAAAAAAAAAAAAAAAAAAEAAABQAAAAAAAAAAAA4D8AAAAAAADgPwAAAAAAAOA/AAAAAAAA4D8AAAAAAADgPwAAAAAAAOA/AAAAAAAA4D8AAAAAAADgPwAAAAAAAOA/AAAAAAAA4D8CAAAAjAAAAAAAAAAAAAAAT4G9DP///wgAAAAAAAAAAAAAAAAAAAAAAAAAAAAAAAAAAAAAZAAAAAEAAABAAAAAAAAAAAAAAAAAAAAAAAAAAAAAAAAAAAAAAAAAAAAAAAAAAAAAAAAAAAAAAAAAAAAAAAAAAAAAAAAAAAAAAAAAAAAAAAAAAAAAAAAAAAAAAAAAAAAAFAAAADwAAAAAAAAAAAAAAAAAAAkUAAAAAQAAABQAAAAUAAAAFAAAAAEAAAAAAAAAZAAAAGQAAAAAAAAAZAAAAGQAAAAVAAAAYAAAAAAAAAAAAAAADwAAACADAAAAAAAAAAAAAAEAAACgMgAAVgcAAKr4//8BAAAAf39/AAEAAABkAAAAAAAAABQAAABAHwAAAAAAACYAAAAAAAAAwOD//wAAAAAmAAAAZAAAABYAAABMAAAAAAAAAAAAAAAEAAAAAAAAAAEAAADu7OEKAAAAACgAAAAoAAAAZAAAAGQAAAAAAAAAzMzMAAAAAABQAAAAUAAAAGQAAABkAAAAAAAAABcAAAAUAAAAAAAAAAAAAAD/fwAA/38AAAAAAAAJAAAABAAAANHNIgMMAAAAEAAAAAAAAAAAAAAAAAAAAAAAAAAeAAAAaAAAAAAAAAAAAAAAAAAAAAAAAAAAAAAAECcAABAnAAAAAAAAAAAAAAAAAAAAAAAAAAAAAAAAAAAAAAAAAAAAABQAAAAAAAAAwMD/AAAAAABkAAAAMgAAAAAAAABkAAAAAAAAAH9/fwAKAAAAHwAAAFQAAABPgb0F////AQAAAAAAAAAAAAAAAAAAAAAAAAAAAAAAAAAAAAAAAAAAAAAAAn9/fwDu7OEDzMzMAMDA/wB/f38AAAAAAAAAAAAAAAAAAAAAAAAAAAAhAAAAGAAAABQAAADqAQAA4DgAAPAKAACYOgAAAAAAACYAAAAIAAAAPIAAAAAAAAA="/>
               </a:ext>
             </a:extLst>
           </p:cNvSpPr>
@@ -1786,7 +1831,6 @@
               <a:rPr lang="en-us"/>
               <a:t>25.03.2021</a:t>
             </a:r>
-            <a:endParaRPr lang="en-us"/>
           </a:p>
         </p:txBody>
       </p:sp>
@@ -1797,7 +1841,7 @@
             <a:spLocks noGrp="1" noChangeArrowheads="1"/>
             <a:extLst>
               <a:ext uri="smNativeData">
-                <pr:smNativeData xmlns:pr="smNativeData" val="SMDATA_13_ec9PYBMAAAAlAAAAZAAAAA0AAAAAAAAAAAAAAAAAAAAAAAAAAAAAAAAAAAAAAAAAAAEAAABQAAAAAAAAAAAA4D8AAAAAAADgPwAAAAAAAOA/AAAAAAAA4D8AAAAAAADgPwAAAAAAAOA/AAAAAAAA4D8AAAAAAADgPwAAAAAAAOA/AAAAAAAA4D8CAAAAjAAAAAAAAAAAAAAAT4G9DP///wgAAAAAAAAAAAAAAAAAAAAAAAAAAAAAAAAAAAAAZAAAAAEAAABAAAAAAAAAAAAAAAAAAAAAAAAAAAAAAAAAAAAAAAAAAAAAAAAAAAAAAAAAAAAAAAAAAAAAAAAAAAAAAAAAAAAAAAAAAAAAAAAAAAAAAAAAAAAAAAAAAAAAFAAAADwAAAAAAAAAAAAAAAAAAAkUAAAAAQAAABQAAAAUAAAAFAAAAAEAAAAAAAAAZAAAAGQAAAAAAAAAZAAAAGQAAAAVAAAAYAAAAAAAAAAAAAAADwAAACADAAAAAAAAAAAAAAEAAACgMgAAVgcAAKr4//8BAAAAf39/AAEAAABkAAAAAAAAABQAAABAHwAAAAAAACYAAAAAAAAAwOD//wAAAAAmAAAAZAAAABYAAABMAAAAAAAAAAAAAAAEAAAAAAAAAAEAAADu7OEKAAAAACgAAAAoAAAAZAAAAGQAAAAAAAAAzMzMAAAAAABQAAAAUAAAAGQAAABkAAAAAAAAABcAAAAUAAAAAAAAAAAAAAD/fwAA/38AAAAAAAAJAAAABAAAAJIDBQMMAAAAEAAAAAAAAAAAAAAAAAAAAAAAAAAeAAAAaAAAAAAAAAAAAAAAAAAAAAAAAAAAAAAAECcAABAnAAAAAAAAAAAAAAAAAAAAAAAAAAAAAAAAAAAAAAAAAAAAABQAAAAAAAAAwMD/AAAAAABkAAAAMgAAAAAAAABkAAAAAAAAAH9/fwAKAAAAHwAAAFQAAABPgb0F////AQAAAAAAAAAAAAAAAAAAAAAAAAAAAAAAAAAAAAAAAAAAAAAAAn9/fwDu7OEDzMzMAMDA/wB/f38AAAAAAAAAAAAAAAAAAAAAAAAAAAAhAAAAGAAAABQAAADQSAAAGDkAABZOAACYOgAAEAAAACYAAAAIAAAAPIAAAAAAAAA="/>
+                <pr:smNativeData xmlns:pr="smNativeData" xmlns:p14="http://schemas.microsoft.com/office/powerpoint/2010/main" xmlns="" val="SMDATA_13_ec9PYBMAAAAlAAAAZAAAAA0AAAAAAAAAAAAAAAAAAAAAAAAAAAAAAAAAAAAAAAAAAAEAAABQAAAAAAAAAAAA4D8AAAAAAADgPwAAAAAAAOA/AAAAAAAA4D8AAAAAAADgPwAAAAAAAOA/AAAAAAAA4D8AAAAAAADgPwAAAAAAAOA/AAAAAAAA4D8CAAAAjAAAAAAAAAAAAAAAT4G9DP///wgAAAAAAAAAAAAAAAAAAAAAAAAAAAAAAAAAAAAAZAAAAAEAAABAAAAAAAAAAAAAAAAAAAAAAAAAAAAAAAAAAAAAAAAAAAAAAAAAAAAAAAAAAAAAAAAAAAAAAAAAAAAAAAAAAAAAAAAAAAAAAAAAAAAAAAAAAAAAAAAAAAAAFAAAADwAAAAAAAAAAAAAAAAAAAkUAAAAAQAAABQAAAAUAAAAFAAAAAEAAAAAAAAAZAAAAGQAAAAAAAAAZAAAAGQAAAAVAAAAYAAAAAAAAAAAAAAADwAAACADAAAAAAAAAAAAAAEAAACgMgAAVgcAAKr4//8BAAAAf39/AAEAAABkAAAAAAAAABQAAABAHwAAAAAAACYAAAAAAAAAwOD//wAAAAAmAAAAZAAAABYAAABMAAAAAAAAAAAAAAAEAAAAAAAAAAEAAADu7OEKAAAAACgAAAAoAAAAZAAAAGQAAAAAAAAAzMzMAAAAAABQAAAAUAAAAGQAAABkAAAAAAAAABcAAAAUAAAAAAAAAAAAAAD/fwAA/38AAAAAAAAJAAAABAAAAJIDBQMMAAAAEAAAAAAAAAAAAAAAAAAAAAAAAAAeAAAAaAAAAAAAAAAAAAAAAAAAAAAAAAAAAAAAECcAABAnAAAAAAAAAAAAAAAAAAAAAAAAAAAAAAAAAAAAAAAAAAAAABQAAAAAAAAAwMD/AAAAAABkAAAAMgAAAAAAAABkAAAAAAAAAH9/fwAKAAAAHwAAAFQAAABPgb0F////AQAAAAAAAAAAAAAAAAAAAAAAAAAAAAAAAAAAAAAAAAAAAAAAAn9/fwDu7OEDzMzMAMDA/wB/f38AAAAAAAAAAAAAAAAAAAAAAAAAAAAhAAAAGAAAABQAAADQSAAAGDkAABZOAACYOgAAEAAAACYAAAAIAAAAPIAAAAAAAAA="/>
               </a:ext>
             </a:extLst>
           </p:cNvSpPr>
@@ -1850,8 +1894,9 @@
               <a:defRPr lang="de-de"/>
             </a:pPr>
             <a:fld id="{19AE3AF4-BAF4-FBCC-BA16-4C9974584C19}" type="slidenum">
-              <a:t>{Nr.}</a:t>
+              <a:t>‹#›</a:t>
             </a:fld>
+            <a:endParaRPr/>
           </a:p>
         </p:txBody>
       </p:sp>
@@ -1864,7 +1909,7 @@
 </file>
 
 <file path=ppt/slideLayouts/slideLayout3.xml><?xml version="1.0" encoding="utf-8"?>
-<p:sldLayout xmlns:p="http://schemas.openxmlformats.org/presentationml/2006/main" xmlns:p14="http://schemas.microsoft.com/office/powerpoint/2010/main" xmlns:r="http://schemas.openxmlformats.org/officeDocument/2006/relationships" xmlns:a="http://schemas.openxmlformats.org/drawingml/2006/main" type="blank" preserve="1">
+<p:sldLayout xmlns:a="http://schemas.openxmlformats.org/drawingml/2006/main" xmlns:r="http://schemas.openxmlformats.org/officeDocument/2006/relationships" xmlns:p="http://schemas.openxmlformats.org/presentationml/2006/main" type="blank" preserve="1">
   <p:cSld name="Aufzählung">
     <p:spTree>
       <p:nvGrpSpPr>
@@ -1887,7 +1932,7 @@
             <a:spLocks noGrp="1" noChangeArrowheads="1"/>
             <a:extLst>
               <a:ext uri="smNativeData">
-                <pr:smNativeData xmlns:pr="smNativeData" val="SMDATA_13_ec9PYBMAAAAlAAAAZAAAAE0AAAAAAAAAAAAAAAAAAAAAAAAAAAAAAAAAAAAAAAAAAAEAAABQAAAAAAAAAAAA4D8AAAAAAADgPwAAAAAAAOA/AAAAAAAA4D8AAAAAAADgPwAAAAAAAOA/AAAAAAAA4D8AAAAAAADgPwAAAAAAAOA/AAAAAAAA4D8CAAAAjAAAAAAAAAAAAAAAT4G9DP///wgAAAAAAAAAAAAAAAAAAAAAAAAAAAAAAAAAAAAAZAAAAAEAAABAAAAAAAAAAAAAAAAAAAAAAAAAAAAAAAAAAAAAAAAAAAAAAAAAAAAAAAAAAAAAAAAAAAAAAAAAAAAAAAAAAAAAAAAAAAAAAAAAAAAAAAAAAAAAAAAAAAAAFAAAADwAAAAAAAAAAAAAAAAAAAkUAAAAAQAAABQAAAAUAAAAFAAAAAEAAAAAAAAAZAAAAGQAAAAAAAAAZAAAAGQAAAAVAAAAYAAAAAAAAAAAAAAADwAAACADAAAAAAAAAAAAAAEAAACgMgAAVgcAAKr4//8BAAAAf39/AAEAAABkAAAAAAAAABQAAABAHwAAAAAAACYAAAAAAAAAwOD//wAAAAAmAAAAZAAAABYAAABMAAAAAAAAAAAAAAAEAAAAAAAAAAEAAADu7OEKAAAAACgAAAAoAAAAZAAAAGQAAAAAAAAAzMzMAAAAAABQAAAAUAAAAGQAAABkAAAAAAAAABcAAAAUAAAAAAAAAAAAAAD/fwAA/38AAAAAAAAJAAAABAAAAGkAYQAMAAAAEAAAAAAAAAAAAAAAAAAAAAAAAAAeAAAAaAAAAAAAAAAAAAAAAAAAAAAAAAAAAAAAECcAABAnAAAAAAAAAAAAAAAAAAAAAAAAAAAAAAAAAAAAAAAAAAAAABQAAAAAAAAAwMD/AAAAAABkAAAAMgAAAAAAAABkAAAAAAAAAH9/fwAKAAAAHwAAAFQAAABPgb0F////AQAAAAAAAAAAAAAAAAAAAAAAAAAAAAAAAAAAAAAAAAAAAAAAAn9/fwDu7OEDzMzMAMDA/wB/f38AAAAAAAAAAAAAAAAAAAAAAAAAAAAhAAAAGAAAABQAAADIBQAAiQsAAHpIAACzDwAAECAAACYAAAAIAAAAPYAAAAAAAAA="/>
+                <pr:smNativeData xmlns:pr="smNativeData" xmlns:p14="http://schemas.microsoft.com/office/powerpoint/2010/main" xmlns="" val="SMDATA_13_ec9PYBMAAAAlAAAAZAAAAE0AAAAAAAAAAAAAAAAAAAAAAAAAAAAAAAAAAAAAAAAAAAEAAABQAAAAAAAAAAAA4D8AAAAAAADgPwAAAAAAAOA/AAAAAAAA4D8AAAAAAADgPwAAAAAAAOA/AAAAAAAA4D8AAAAAAADgPwAAAAAAAOA/AAAAAAAA4D8CAAAAjAAAAAAAAAAAAAAAT4G9DP///wgAAAAAAAAAAAAAAAAAAAAAAAAAAAAAAAAAAAAAZAAAAAEAAABAAAAAAAAAAAAAAAAAAAAAAAAAAAAAAAAAAAAAAAAAAAAAAAAAAAAAAAAAAAAAAAAAAAAAAAAAAAAAAAAAAAAAAAAAAAAAAAAAAAAAAAAAAAAAAAAAAAAAFAAAADwAAAAAAAAAAAAAAAAAAAkUAAAAAQAAABQAAAAUAAAAFAAAAAEAAAAAAAAAZAAAAGQAAAAAAAAAZAAAAGQAAAAVAAAAYAAAAAAAAAAAAAAADwAAACADAAAAAAAAAAAAAAEAAACgMgAAVgcAAKr4//8BAAAAf39/AAEAAABkAAAAAAAAABQAAABAHwAAAAAAACYAAAAAAAAAwOD//wAAAAAmAAAAZAAAABYAAABMAAAAAAAAAAAAAAAEAAAAAAAAAAEAAADu7OEKAAAAACgAAAAoAAAAZAAAAGQAAAAAAAAAzMzMAAAAAABQAAAAUAAAAGQAAABkAAAAAAAAABcAAAAUAAAAAAAAAAAAAAD/fwAA/38AAAAAAAAJAAAABAAAAGkAYQAMAAAAEAAAAAAAAAAAAAAAAAAAAAAAAAAeAAAAaAAAAAAAAAAAAAAAAAAAAAAAAAAAAAAAECcAABAnAAAAAAAAAAAAAAAAAAAAAAAAAAAAAAAAAAAAAAAAAAAAABQAAAAAAAAAwMD/AAAAAABkAAAAMgAAAAAAAABkAAAAAAAAAH9/fwAKAAAAHwAAAFQAAABPgb0F////AQAAAAAAAAAAAAAAAAAAAAAAAAAAAAAAAAAAAAAAAAAAAAAAAn9/fwDu7OEDzMzMAMDA/wB/f38AAAAAAAAAAAAAAAAAAAAAAAAAAAAhAAAAGAAAABQAAADIBQAAiQsAAHpIAACzDwAAECAAACYAAAAIAAAAPYAAAAAAAAA="/>
               </a:ext>
             </a:extLst>
           </p:cNvSpPr>
@@ -1947,6 +1992,7 @@
             <a:pPr>
               <a:defRPr lang="de-de"/>
             </a:pPr>
+            <a:endParaRPr/>
           </a:p>
         </p:txBody>
       </p:sp>
@@ -1957,7 +2003,7 @@
             <a:spLocks noGrp="1" noChangeArrowheads="1"/>
             <a:extLst>
               <a:ext uri="smNativeData">
-                <pr:smNativeData xmlns:pr="smNativeData" val="SMDATA_13_ec9PYBMAAAAlAAAAZAAAAE0AAAAAAAAAAAAAAAAAAAAAAAAAAAAAAAAAAAAAAAAAAAEAAABQAAAAAAAAAAAA4D8AAAAAAADgPwAAAAAAAOA/AAAAAAAA4D8AAAAAAADgPwAAAAAAAOA/AAAAAAAA4D8AAAAAAADgPwAAAAAAAOA/AAAAAAAA4D8CAAAAjAAAAAAAAAAAAAAAT4G9DP///wgAAAAAAAAAAAAAAAAAAAAAAAAAAAAAAAAAAAAAZAAAAAEAAABAAAAAAAAAAAAAAAAAAAAAAAAAAAAAAAAAAAAAAAAAAAAAAAAAAAAAAAAAAAAAAAAAAAAAAAAAAAAAAAAAAAAAAAAAAAAAAAAAAAAAAAAAAAAAAAAAAAAAFAAAADwAAAAAAAAAAAAAAAAAAAkUAAAAAQAAABQAAAAUAAAAFAAAAAEAAAAAAAAAZAAAAGQAAAAAAAAAZAAAAGQAAAAVAAAAYAAAAAAAAAAAAAAADwAAACADAAAAAAAAAAAAAAEAAACgMgAAVgcAAKr4//8BAAAAf39/AAEAAABkAAAAAAAAABQAAABAHwAAAAAAACYAAAAAAAAAwOD//wAAAAAmAAAAZAAAABYAAABMAAAAAAAAAAAAAAAEAAAAAAAAAAEAAADu7OEKAAAAACgAAAAoAAAAZAAAAGQAAAAAAAAAzMzMAAAAAABQAAAAUAAAAGQAAABkAAAAAAAAABcAAAAUAAAAAAAAAAAAAAD/fwAA/38AAAAAAAAJAAAABAAAAAAAAAAMAAAAEAAAAAAAAAAAAAAAAAAAAAAAAAAeAAAAaAAAAAAAAAAAAAAAAAAAAAAAAAAAAAAAECcAABAnAAAAAAAAAAAAAAAAAAAAAAAAAAAAAAAAAAAAAAAAAAAAABQAAAAAAAAAwMD/AAAAAABkAAAAMgAAAAAAAABkAAAAAAAAAH9/fwAKAAAAHwAAAFQAAABPgb0F////AQAAAAAAAAAAAAAAAAAAAAAAAAAAAAAAAAAAAAAAAAAAAAAAAn9/fwDu7OEDzMzMAMDA/wB/f38AAAAAAAAAAAAAAAAAAAAAAAAAAAAhAAAAGAAAABQAAADIBQAAwBIAAHpIAACaIQAAECAAACYAAAAIAAAAPYAAAAAAAAA="/>
+                <pr:smNativeData xmlns:pr="smNativeData" xmlns:p14="http://schemas.microsoft.com/office/powerpoint/2010/main" xmlns="" val="SMDATA_13_ec9PYBMAAAAlAAAAZAAAAE0AAAAAAAAAAAAAAAAAAAAAAAAAAAAAAAAAAAAAAAAAAAEAAABQAAAAAAAAAAAA4D8AAAAAAADgPwAAAAAAAOA/AAAAAAAA4D8AAAAAAADgPwAAAAAAAOA/AAAAAAAA4D8AAAAAAADgPwAAAAAAAOA/AAAAAAAA4D8CAAAAjAAAAAAAAAAAAAAAT4G9DP///wgAAAAAAAAAAAAAAAAAAAAAAAAAAAAAAAAAAAAAZAAAAAEAAABAAAAAAAAAAAAAAAAAAAAAAAAAAAAAAAAAAAAAAAAAAAAAAAAAAAAAAAAAAAAAAAAAAAAAAAAAAAAAAAAAAAAAAAAAAAAAAAAAAAAAAAAAAAAAAAAAAAAAFAAAADwAAAAAAAAAAAAAAAAAAAkUAAAAAQAAABQAAAAUAAAAFAAAAAEAAAAAAAAAZAAAAGQAAAAAAAAAZAAAAGQAAAAVAAAAYAAAAAAAAAAAAAAADwAAACADAAAAAAAAAAAAAAEAAACgMgAAVgcAAKr4//8BAAAAf39/AAEAAABkAAAAAAAAABQAAABAHwAAAAAAACYAAAAAAAAAwOD//wAAAAAmAAAAZAAAABYAAABMAAAAAAAAAAAAAAAEAAAAAAAAAAEAAADu7OEKAAAAACgAAAAoAAAAZAAAAGQAAAAAAAAAzMzMAAAAAABQAAAAUAAAAGQAAABkAAAAAAAAABcAAAAUAAAAAAAAAAAAAAD/fwAA/38AAAAAAAAJAAAABAAAAAAAAAAMAAAAEAAAAAAAAAAAAAAAAAAAAAAAAAAeAAAAaAAAAAAAAAAAAAAAAAAAAAAAAAAAAAAAECcAABAnAAAAAAAAAAAAAAAAAAAAAAAAAAAAAAAAAAAAAAAAAAAAABQAAAAAAAAAwMD/AAAAAABkAAAAMgAAAAAAAABkAAAAAAAAAH9/fwAKAAAAHwAAAFQAAABPgb0F////AQAAAAAAAAAAAAAAAAAAAAAAAAAAAAAAAAAAAAAAAAAAAAAAAn9/fwDu7OEDzMzMAMDA/wB/f38AAAAAAAAAAAAAAAAAAAAAAAAAAAAhAAAAGAAAABQAAADIBQAAwBIAAHpIAACaIQAAECAAACYAAAAIAAAAPYAAAAAAAAA="/>
               </a:ext>
             </a:extLst>
           </p:cNvSpPr>
@@ -1989,7 +2035,7 @@
                 <a:schemeClr val="accent1"/>
               </a:buClr>
               <a:buSzPts val="2910"/>
-              <a:buFont typeface="Wingdings" pitchFamily="0" charset="0"/>
+              <a:buFont typeface="Wingdings" charset="0"/>
               <a:buChar char="§"/>
               <a:tabLst/>
               <a:defRPr lang="de-de" sz="2800" b="0" i="0" baseline="0">
@@ -2020,7 +2066,7 @@
               <a:lnSpc>
                 <a:spcPct val="150000"/>
               </a:lnSpc>
-              <a:buFont typeface="Wingdings" pitchFamily="0" charset="0"/>
+              <a:buFont typeface="Wingdings" charset="0"/>
               <a:buChar char="§"/>
               <a:defRPr lang="de-de" sz="2000" b="0" i="0" baseline="0">
                 <a:solidFill>
@@ -2091,7 +2137,7 @@
             <a:spLocks noGrp="1" noChangeArrowheads="1"/>
             <a:extLst>
               <a:ext uri="smNativeData">
-                <pr:smNativeData xmlns:pr="smNativeData" val="SMDATA_13_ec9PYBMAAAAlAAAAZAAAAA0AAAAAAAAAAAAAAAAAAAAAAAAAAAAAAAAAAAAAAAAAAAEAAABQAAAAAAAAAAAA4D8AAAAAAADgPwAAAAAAAOA/AAAAAAAA4D8AAAAAAADgPwAAAAAAAOA/AAAAAAAA4D8AAAAAAADgPwAAAAAAAOA/AAAAAAAA4D8CAAAAjAAAAAAAAAAAAAAAT4G9DP///wgAAAAAAAAAAAAAAAAAAAAAAAAAAAAAAAAAAAAAZAAAAAEAAABAAAAAAAAAAAAAAAAAAAAAAAAAAAAAAAAAAAAAAAAAAAAAAAAAAAAAAAAAAAAAAAAAAAAAAAAAAAAAAAAAAAAAAAAAAAAAAAAAAAAAAAAAAAAAAAAAAAAAFAAAADwAAAAAAAAAAAAAAAAAAAkUAAAAAQAAABQAAAAUAAAAFAAAAAEAAAAAAAAAZAAAAGQAAAAAAAAAZAAAAGQAAAAVAAAAYAAAAAAAAAAAAAAADwAAACADAAAAAAAAAAAAAAEAAACgMgAAVgcAAKr4//8BAAAAf39/AAEAAABkAAAAAAAAABQAAABAHwAAAAAAACYAAAAAAAAAwOD//wAAAAAmAAAAZAAAABYAAABMAAAAAAAAAAAAAAAEAAAAAAAAAAEAAADu7OEKAAAAACgAAAAoAAAAZAAAAGQAAAAAAAAAzMzMAAAAAABQAAAAUAAAAGQAAABkAAAAAAAAABcAAAAUAAAAAAAAAAAAAAD/fwAA/38AAAAAAAAJAAAABAAAAAAAAAAMAAAAEAAAAAAAAAAAAAAAAAAAAAAAAAAeAAAAaAAAAAAAAAAAAAAAAAAAAAAAAAAAAAAAECcAABAnAAAAAAAAAAAAAAAAAAAAAAAAAAAAAAAAAAAAAAAAAAAAABQAAAAAAAAAwMD/AAAAAABkAAAAMgAAAAAAAABkAAAAAAAAAH9/fwAKAAAAHwAAAFQAAABPgb0F////AQAAAAAAAAAAAAAAAAAAAAAAAAAAAAAAAAAAAAAAAAAAAAAAAn9/fwDu7OEDzMzMAMDA/wB/f38AAAAAAAAAAAAAAAAAAAAAAAAAAAAhAAAAGAAAABQAAADqAQAA4DgAAPAKAACYOgAAAAAAACYAAAAIAAAAPIAAAAAAAAA="/>
+                <pr:smNativeData xmlns:pr="smNativeData" xmlns:p14="http://schemas.microsoft.com/office/powerpoint/2010/main" xmlns="" val="SMDATA_13_ec9PYBMAAAAlAAAAZAAAAA0AAAAAAAAAAAAAAAAAAAAAAAAAAAAAAAAAAAAAAAAAAAEAAABQAAAAAAAAAAAA4D8AAAAAAADgPwAAAAAAAOA/AAAAAAAA4D8AAAAAAADgPwAAAAAAAOA/AAAAAAAA4D8AAAAAAADgPwAAAAAAAOA/AAAAAAAA4D8CAAAAjAAAAAAAAAAAAAAAT4G9DP///wgAAAAAAAAAAAAAAAAAAAAAAAAAAAAAAAAAAAAAZAAAAAEAAABAAAAAAAAAAAAAAAAAAAAAAAAAAAAAAAAAAAAAAAAAAAAAAAAAAAAAAAAAAAAAAAAAAAAAAAAAAAAAAAAAAAAAAAAAAAAAAAAAAAAAAAAAAAAAAAAAAAAAFAAAADwAAAAAAAAAAAAAAAAAAAkUAAAAAQAAABQAAAAUAAAAFAAAAAEAAAAAAAAAZAAAAGQAAAAAAAAAZAAAAGQAAAAVAAAAYAAAAAAAAAAAAAAADwAAACADAAAAAAAAAAAAAAEAAACgMgAAVgcAAKr4//8BAAAAf39/AAEAAABkAAAAAAAAABQAAABAHwAAAAAAACYAAAAAAAAAwOD//wAAAAAmAAAAZAAAABYAAABMAAAAAAAAAAAAAAAEAAAAAAAAAAEAAADu7OEKAAAAACgAAAAoAAAAZAAAAGQAAAAAAAAAzMzMAAAAAABQAAAAUAAAAGQAAABkAAAAAAAAABcAAAAUAAAAAAAAAAAAAAD/fwAA/38AAAAAAAAJAAAABAAAAAAAAAAMAAAAEAAAAAAAAAAAAAAAAAAAAAAAAAAeAAAAaAAAAAAAAAAAAAAAAAAAAAAAAAAAAAAAECcAABAnAAAAAAAAAAAAAAAAAAAAAAAAAAAAAAAAAAAAAAAAAAAAABQAAAAAAAAAwMD/AAAAAABkAAAAMgAAAAAAAABkAAAAAAAAAH9/fwAKAAAAHwAAAFQAAABPgb0F////AQAAAAAAAAAAAAAAAAAAAAAAAAAAAAAAAAAAAAAAAAAAAAAAAn9/fwDu7OEDzMzMAMDA/wB/f38AAAAAAAAAAAAAAAAAAAAAAAAAAAAhAAAAGAAAABQAAADqAQAA4DgAAPAKAACYOgAAAAAAACYAAAAIAAAAPIAAAAAAAAA="/>
               </a:ext>
             </a:extLst>
           </p:cNvSpPr>
@@ -2147,7 +2193,6 @@
               <a:rPr lang="en-us"/>
               <a:t>25.03.2021</a:t>
             </a:r>
-            <a:endParaRPr lang="en-us"/>
           </a:p>
         </p:txBody>
       </p:sp>
@@ -2158,7 +2203,7 @@
             <a:spLocks noGrp="1" noChangeArrowheads="1"/>
             <a:extLst>
               <a:ext uri="smNativeData">
-                <pr:smNativeData xmlns:pr="smNativeData" val="SMDATA_13_ec9PYBMAAAAlAAAAZAAAAA0AAAAAAAAAAAAAAAAAAAAAAAAAAAAAAAAAAAAAAAAAAAEAAABQAAAAAAAAAAAA4D8AAAAAAADgPwAAAAAAAOA/AAAAAAAA4D8AAAAAAADgPwAAAAAAAOA/AAAAAAAA4D8AAAAAAADgPwAAAAAAAOA/AAAAAAAA4D8CAAAAjAAAAAAAAAAAAAAAT4G9DP///wgAAAAAAAAAAAAAAAAAAAAAAAAAAAAAAAAAAAAAZAAAAAEAAABAAAAAAAAAAAAAAAAAAAAAAAAAAAAAAAAAAAAAAAAAAAAAAAAAAAAAAAAAAAAAAAAAAAAAAAAAAAAAAAAAAAAAAAAAAAAAAAAAAAAAAAAAAAAAAAAAAAAAFAAAADwAAAAAAAAAAAAAAAAAAAkUAAAAAQAAABQAAAAUAAAAFAAAAAEAAAAAAAAAZAAAAGQAAAAAAAAAZAAAAGQAAAAVAAAAYAAAAAAAAAAAAAAADwAAACADAAAAAAAAAAAAAAEAAACgMgAAVgcAAKr4//8BAAAAf39/AAEAAABkAAAAAAAAABQAAABAHwAAAAAAACYAAAAAAAAAwOD//wAAAAAmAAAAZAAAABYAAABMAAAAAAAAAAAAAAAEAAAAAAAAAAEAAADu7OEKAAAAACgAAAAoAAAAZAAAAGQAAAAAAAAAzMzMAAAAAABQAAAAUAAAAGQAAABkAAAAAAAAABcAAAAUAAAAAAAAAAAAAAD/fwAA/38AAAAAAAAJAAAABAAAAAAAAAAMAAAAEAAAAAAAAAAAAAAAAAAAAAAAAAAeAAAAaAAAAAAAAAAAAAAAAAAAAAAAAAAAAAAAECcAABAnAAAAAAAAAAAAAAAAAAAAAAAAAAAAAAAAAAAAAAAAAAAAABQAAAAAAAAAwMD/AAAAAABkAAAAMgAAAAAAAABkAAAAAAAAAH9/fwAKAAAAHwAAAFQAAABPgb0F////AQAAAAAAAAAAAAAAAAAAAAAAAAAAAAAAAAAAAAAAAAAAAAAAAn9/fwDu7OEDzMzMAMDA/wB/f38AAAAAAAAAAAAAAAAAAAAAAAAAAAAhAAAAGAAAABQAAADQSAAAGDkAABZOAACYOgAAEAAAACYAAAAIAAAAPIAAAAAAAAA="/>
+                <pr:smNativeData xmlns:pr="smNativeData" xmlns:p14="http://schemas.microsoft.com/office/powerpoint/2010/main" xmlns="" val="SMDATA_13_ec9PYBMAAAAlAAAAZAAAAA0AAAAAAAAAAAAAAAAAAAAAAAAAAAAAAAAAAAAAAAAAAAEAAABQAAAAAAAAAAAA4D8AAAAAAADgPwAAAAAAAOA/AAAAAAAA4D8AAAAAAADgPwAAAAAAAOA/AAAAAAAA4D8AAAAAAADgPwAAAAAAAOA/AAAAAAAA4D8CAAAAjAAAAAAAAAAAAAAAT4G9DP///wgAAAAAAAAAAAAAAAAAAAAAAAAAAAAAAAAAAAAAZAAAAAEAAABAAAAAAAAAAAAAAAAAAAAAAAAAAAAAAAAAAAAAAAAAAAAAAAAAAAAAAAAAAAAAAAAAAAAAAAAAAAAAAAAAAAAAAAAAAAAAAAAAAAAAAAAAAAAAAAAAAAAAFAAAADwAAAAAAAAAAAAAAAAAAAkUAAAAAQAAABQAAAAUAAAAFAAAAAEAAAAAAAAAZAAAAGQAAAAAAAAAZAAAAGQAAAAVAAAAYAAAAAAAAAAAAAAADwAAACADAAAAAAAAAAAAAAEAAACgMgAAVgcAAKr4//8BAAAAf39/AAEAAABkAAAAAAAAABQAAABAHwAAAAAAACYAAAAAAAAAwOD//wAAAAAmAAAAZAAAABYAAABMAAAAAAAAAAAAAAAEAAAAAAAAAAEAAADu7OEKAAAAACgAAAAoAAAAZAAAAGQAAAAAAAAAzMzMAAAAAABQAAAAUAAAAGQAAABkAAAAAAAAABcAAAAUAAAAAAAAAAAAAAD/fwAA/38AAAAAAAAJAAAABAAAAAAAAAAMAAAAEAAAAAAAAAAAAAAAAAAAAAAAAAAeAAAAaAAAAAAAAAAAAAAAAAAAAAAAAAAAAAAAECcAABAnAAAAAAAAAAAAAAAAAAAAAAAAAAAAAAAAAAAAAAAAAAAAABQAAAAAAAAAwMD/AAAAAABkAAAAMgAAAAAAAABkAAAAAAAAAH9/fwAKAAAAHwAAAFQAAABPgb0F////AQAAAAAAAAAAAAAAAAAAAAAAAAAAAAAAAAAAAAAAAAAAAAAAAn9/fwDu7OEDzMzMAMDA/wB/f38AAAAAAAAAAAAAAAAAAAAAAAAAAAAhAAAAGAAAABQAAADQSAAAGDkAABZOAACYOgAAEAAAACYAAAAIAAAAPIAAAAAAAAA="/>
               </a:ext>
             </a:extLst>
           </p:cNvSpPr>
@@ -2211,8 +2256,9 @@
               <a:defRPr lang="de-de"/>
             </a:pPr>
             <a:fld id="{21A75586-C8CC-F2A3-821F-3EF61B51746B}" type="slidenum">
-              <a:t>{Nr.}</a:t>
+              <a:t>‹#›</a:t>
             </a:fld>
+            <a:endParaRPr/>
           </a:p>
         </p:txBody>
       </p:sp>
@@ -2223,7 +2269,7 @@
             <a:spLocks noGrp="1" noChangeArrowheads="1"/>
             <a:extLst>
               <a:ext uri="smNativeData">
-                <pr:smNativeData xmlns:pr="smNativeData" val="SMDATA_13_ec9PYBMAAAAlAAAAZAAAAE0AAAAAAAAAAAAAAAAAAAAAAAAAAAAAAAAAAAAAAAAAAAEAAABQAAAAAAAAAAAA4D8AAAAAAADgPwAAAAAAAOA/AAAAAAAA4D8AAAAAAADgPwAAAAAAAOA/AAAAAAAA4D8AAAAAAADgPwAAAAAAAOA/AAAAAAAA4D8CAAAAjAAAAAAAAAAAAAAAT4G9DP///wgAAAAAAAAAAAAAAAAAAAAAAAAAAAAAAAAAAAAAZAAAAAEAAABAAAAAAAAAAAAAAAAAAAAAAAAAAAAAAAAAAAAAAAAAAAAAAAAAAAAAAAAAAAAAAAAAAAAAAAAAAAAAAAAAAAAAAAAAAAAAAAAAAAAAAAAAAAAAAAAAAAAAFAAAADwAAAAAAAAAAAAAAAAAAAkUAAAAAQAAABQAAAAUAAAAFAAAAAEAAAAAAAAAZAAAAGQAAAAAAAAAZAAAAGQAAAAVAAAAYAAAAAAAAAAAAAAADwAAACADAAAAAAAAAAAAAAEAAACgMgAAVgcAAKr4//8BAAAAf39/AAEAAABkAAAAAAAAABQAAABAHwAAAAAAACYAAAAAAAAAwOD//wAAAAAmAAAAZAAAABYAAABMAAAAAAAAAAAAAAAEAAAAAAAAAAEAAADu7OEKAAAAACgAAAAoAAAAZAAAAGQAAAAAAAAAzMzMAAAAAABQAAAAUAAAAGQAAABkAAAAAAAAABcAAAAUAAAAAAAAAAAAAAD/fwAA/38AAAAAAAAJAAAABAAAAAAAAAAMAAAAEAAAAAAAAAAAAAAAAAAAAAAAAAAeAAAAaAAAAAAAAAAAAAAAAAAAAAAAAAAAAAAAECcAABAnAAAAAAAAAAAAAAAAAAAAAAAAAAAAAAAAAAAAAAAAAAAAABQAAAAAAAAAwMD/AAAAAABkAAAAMgAAAAAAAABkAAAAAAAAAH9/fwAKAAAAHwAAAFQAAABPgb0F////AQAAAAAAAAAAAAAAAAAAAAAAAAAAAAAAAAAAAAAAAAAAAAAAAn9/fwDu7OEDzMzMAMDA/wB/f38AAAAAAAAAAAAAAAAAAAAAAAAAAAAhAAAAGAAAABQAAADIBQAAXTYAAMcoAACANwAAECAAACYAAAAIAAAAAYAAAAAAAAA="/>
+                <pr:smNativeData xmlns:pr="smNativeData" xmlns:p14="http://schemas.microsoft.com/office/powerpoint/2010/main" xmlns="" val="SMDATA_13_ec9PYBMAAAAlAAAAZAAAAE0AAAAAAAAAAAAAAAAAAAAAAAAAAAAAAAAAAAAAAAAAAAEAAABQAAAAAAAAAAAA4D8AAAAAAADgPwAAAAAAAOA/AAAAAAAA4D8AAAAAAADgPwAAAAAAAOA/AAAAAAAA4D8AAAAAAADgPwAAAAAAAOA/AAAAAAAA4D8CAAAAjAAAAAAAAAAAAAAAT4G9DP///wgAAAAAAAAAAAAAAAAAAAAAAAAAAAAAAAAAAAAAZAAAAAEAAABAAAAAAAAAAAAAAAAAAAAAAAAAAAAAAAAAAAAAAAAAAAAAAAAAAAAAAAAAAAAAAAAAAAAAAAAAAAAAAAAAAAAAAAAAAAAAAAAAAAAAAAAAAAAAAAAAAAAAFAAAADwAAAAAAAAAAAAAAAAAAAkUAAAAAQAAABQAAAAUAAAAFAAAAAEAAAAAAAAAZAAAAGQAAAAAAAAAZAAAAGQAAAAVAAAAYAAAAAAAAAAAAAAADwAAACADAAAAAAAAAAAAAAEAAACgMgAAVgcAAKr4//8BAAAAf39/AAEAAABkAAAAAAAAABQAAABAHwAAAAAAACYAAAAAAAAAwOD//wAAAAAmAAAAZAAAABYAAABMAAAAAAAAAAAAAAAEAAAAAAAAAAEAAADu7OEKAAAAACgAAAAoAAAAZAAAAGQAAAAAAAAAzMzMAAAAAABQAAAAUAAAAGQAAABkAAAAAAAAABcAAAAUAAAAAAAAAAAAAAD/fwAA/38AAAAAAAAJAAAABAAAAAAAAAAMAAAAEAAAAAAAAAAAAAAAAAAAAAAAAAAeAAAAaAAAAAAAAAAAAAAAAAAAAAAAAAAAAAAAECcAABAnAAAAAAAAAAAAAAAAAAAAAAAAAAAAAAAAAAAAAAAAAAAAABQAAAAAAAAAwMD/AAAAAABkAAAAMgAAAAAAAABkAAAAAAAAAH9/fwAKAAAAHwAAAFQAAABPgb0F////AQAAAAAAAAAAAAAAAAAAAAAAAAAAAAAAAAAAAAAAAAAAAAAAAn9/fwDu7OEDzMzMAMDA/wB/f38AAAAAAAAAAAAAAAAAAAAAAAAAAAAhAAAAGAAAABQAAADIBQAAXTYAAMcoAACANwAAECAAACYAAAAIAAAAAYAAAAAAAAA="/>
               </a:ext>
             </a:extLst>
           </p:cNvSpPr>
@@ -2294,7 +2340,7 @@
 </file>
 
 <file path=ppt/slideLayouts/slideLayout4.xml><?xml version="1.0" encoding="utf-8"?>
-<p:sldLayout xmlns:p="http://schemas.openxmlformats.org/presentationml/2006/main" xmlns:p14="http://schemas.microsoft.com/office/powerpoint/2010/main" xmlns:r="http://schemas.openxmlformats.org/officeDocument/2006/relationships" xmlns:a="http://schemas.openxmlformats.org/drawingml/2006/main" type="blank" preserve="1">
+<p:sldLayout xmlns:a="http://schemas.openxmlformats.org/drawingml/2006/main" xmlns:r="http://schemas.openxmlformats.org/officeDocument/2006/relationships" xmlns:p="http://schemas.openxmlformats.org/presentationml/2006/main" type="blank" preserve="1">
   <p:cSld name="1_Großes Bild">
     <p:spTree>
       <p:nvGrpSpPr>
@@ -2317,7 +2363,7 @@
             <a:spLocks noGrp="1" noChangeArrowheads="1"/>
             <a:extLst>
               <a:ext uri="smNativeData">
-                <pr:smNativeData xmlns:pr="smNativeData" val="SMDATA_13_ec9PYBMAAAAlAAAAZAAAAE0AAAAAAAAAAAAAAAAAAAAAAAAAAAAAAAAAAAAAAAAAAAEAAABQAAAAAAAAAAAA4D8AAAAAAADgPwAAAAAAAOA/AAAAAAAA4D8AAAAAAADgPwAAAAAAAOA/AAAAAAAA4D8AAAAAAADgPwAAAAAAAOA/AAAAAAAA4D8CAAAAjAAAAAAAAAAAAAAAT4G9DP///wgAAAAAAAAAAAAAAAAAAAAAAAAAAAAAAAAAAAAAZAAAAAEAAABAAAAAAAAAAAAAAAAAAAAAAAAAAAAAAAAAAAAAAAAAAAAAAAAAAAAAAAAAAAAAAAAAAAAAAAAAAAAAAAAAAAAAAAAAAAAAAAAAAAAAAAAAAAAAAAAAAAAAFAAAADwAAAAAAAAAAAAAAAAAAAkUAAAAAQAAABQAAAAUAAAAFAAAAAEAAAAAAAAAZAAAAGQAAAAAAAAAZAAAAGQAAAAVAAAAYAAAAAAAAAAAAAAADwAAACADAAAAAAAAAAAAAAEAAACgMgAAVgcAAKr4//8BAAAAf39/AAEAAABkAAAAAAAAABQAAABAHwAAAAAAACYAAAAAAAAAwOD//wAAAAAmAAAAZAAAABYAAABMAAAAAAAAAAAAAAAEAAAAAAAAAAEAAADu7OEKAAAAACgAAAAoAAAAZAAAAGQAAAAAAAAAzMzMAAAAAABQAAAAUAAAAGQAAABkAAAAAAAAABcAAAAUAAAAAAAAAAAAAAD/fwAA/38AAAAAAAAJAAAABAAAAAAAAAAMAAAAEAAAAAAAAAAAAAAAAAAAAAAAAAAeAAAAaAAAAAAAAAAAAAAAAAAAAAAAAAAAAAAAECcAABAnAAAAAAAAAAAAAAAAAAAAAAAAAAAAAAAAAAAAAAAAAAAAABQAAAAAAAAAwMD/AAAAAABkAAAAMgAAAAAAAABkAAAAAAAAAH9/fwAKAAAAHwAAAFQAAABPgb0F////AQAAAAAAAAAAAAAAAAAAAAAAAAAAAAAAAAAAAAAAAAAAAAAAAn9/fwDu7OEDzMzMAMDA/wB/f38AAAAAAAAAAAAAAAAAAAAAAAAAAAAhAAAAGAAAABQAAAAAAAAAcAgAAABQAAB4PAAAECAAACYAAAAIAAAAAYAAAAAAAAA="/>
+                <pr:smNativeData xmlns:pr="smNativeData" xmlns:p14="http://schemas.microsoft.com/office/powerpoint/2010/main" xmlns="" val="SMDATA_13_ec9PYBMAAAAlAAAAZAAAAE0AAAAAAAAAAAAAAAAAAAAAAAAAAAAAAAAAAAAAAAAAAAEAAABQAAAAAAAAAAAA4D8AAAAAAADgPwAAAAAAAOA/AAAAAAAA4D8AAAAAAADgPwAAAAAAAOA/AAAAAAAA4D8AAAAAAADgPwAAAAAAAOA/AAAAAAAA4D8CAAAAjAAAAAAAAAAAAAAAT4G9DP///wgAAAAAAAAAAAAAAAAAAAAAAAAAAAAAAAAAAAAAZAAAAAEAAABAAAAAAAAAAAAAAAAAAAAAAAAAAAAAAAAAAAAAAAAAAAAAAAAAAAAAAAAAAAAAAAAAAAAAAAAAAAAAAAAAAAAAAAAAAAAAAAAAAAAAAAAAAAAAAAAAAAAAFAAAADwAAAAAAAAAAAAAAAAAAAkUAAAAAQAAABQAAAAUAAAAFAAAAAEAAAAAAAAAZAAAAGQAAAAAAAAAZAAAAGQAAAAVAAAAYAAAAAAAAAAAAAAADwAAACADAAAAAAAAAAAAAAEAAACgMgAAVgcAAKr4//8BAAAAf39/AAEAAABkAAAAAAAAABQAAABAHwAAAAAAACYAAAAAAAAAwOD//wAAAAAmAAAAZAAAABYAAABMAAAAAAAAAAAAAAAEAAAAAAAAAAEAAADu7OEKAAAAACgAAAAoAAAAZAAAAGQAAAAAAAAAzMzMAAAAAABQAAAAUAAAAGQAAABkAAAAAAAAABcAAAAUAAAAAAAAAAAAAAD/fwAA/38AAAAAAAAJAAAABAAAAAAAAAAMAAAAEAAAAAAAAAAAAAAAAAAAAAAAAAAeAAAAaAAAAAAAAAAAAAAAAAAAAAAAAAAAAAAAECcAABAnAAAAAAAAAAAAAAAAAAAAAAAAAAAAAAAAAAAAAAAAAAAAABQAAAAAAAAAwMD/AAAAAABkAAAAMgAAAAAAAABkAAAAAAAAAH9/fwAKAAAAHwAAAFQAAABPgb0F////AQAAAAAAAAAAAAAAAAAAAAAAAAAAAAAAAAAAAAAAAAAAAAAAAn9/fwDu7OEDzMzMAMDA/wB/f38AAAAAAAAAAAAAAAAAAAAAAAAAAAAhAAAAGAAAABQAAAAAAAAAcAgAAABQAAB4PAAAECAAACYAAAAIAAAAAYAAAAAAAAA="/>
               </a:ext>
             </a:extLst>
           </p:cNvSpPr>
@@ -2339,7 +2385,7 @@
                 <a:solidFill>
                   <a:srgbClr val="575756"/>
                 </a:solidFill>
-                <a:latin typeface="DINPro" pitchFamily="0" charset="0"/>
+                <a:latin typeface="DINPro" charset="0"/>
                 <a:ea typeface="Calibri" pitchFamily="2" charset="0"/>
                 <a:cs typeface="Calibri" pitchFamily="2" charset="0"/>
               </a:defRPr>
@@ -2373,6 +2419,7 @@
             <a:pPr>
               <a:defRPr lang="de-de"/>
             </a:pPr>
+            <a:endParaRPr/>
           </a:p>
         </p:txBody>
       </p:sp>
@@ -2382,7 +2429,7 @@
           <p:cNvSpPr>
             <a:extLst>
               <a:ext uri="smNativeData">
-                <pr:smNativeData xmlns:pr="smNativeData" val="SMDATA_13_ec9PYBMAAAAlAAAAZAAAAA0AAAAAkAAAAEgAAACQAAAASAAAAAAAAAABAAAAAAAAAAEAAABQAAAAAAAAAAAA4D8AAAAAAADgPwAAAAAAAOA/AAAAAAAA4D8AAAAAAADgPwAAAAAAAOA/AAAAAAAA4D8AAAAAAADgPwAAAAAAAOA/AAAAAAAA4D8CAAAAjAAAAAEAAAAAAAAA////CDp7ywAAAAAAAAAAAAAAAAAAAAAAAAAAAAAAAAAAAAAAZAAAAAEAAABAAAAAAAAAAJz///9aAAAAAAAAAAEAAABQAAAAPXvHAAAAAAAAAAAAAAAAAAAAAAAAAAAAAAAAAAAAAAAAAAAAAAAAAAAAAAAAAAAAAAAAAAAAAAAAAAAAFAAAADwAAAAAAAAAAAAAAEl9vAAPAAAAAQAAABQAAAAUAAAAFAAAAAEAAAAAAAAAZAAAAGQAAAAAAAAAZAAAAGQAAAAVAAAAYAAAAAAAAAAAAAAADwAAACADAAAAAAAAAAAAAAEAAACgMgAAVgcAAKr4//8BAAAAf39/AAEAAABkAAAAAAAAABQAAABAHwAAAAAAACYAAAAAAAAAwOD//wAAAAAmAAAAZAAAABYAAABMAAAAAAAAAAAAAAAEAAAAAAAAAAEAAADu7OEKAAAAACgAAAAoAAAAZAAAAGQAAAAAAAAAzMzMAAAAAABQAAAAUAAAAGQAAABkAAAAAAAAABcAAAAUAAAAAAAAAAAAAAD/fwAA/38AAAAAAAAJAAAABAAAAAAAAAAMAAAAEAAAAAAAAAAAAAAAAAAAAAAAAAAeAAAAaAAAAAAAAAAAAAAAAAAAAAAAAAAAAAAAECcAABAnAAAAAAAAAAAAAAAAAAAAAAAAAAAAAAAAAAAAAAAAAAAAABQAAAAAAAAAwMD/AAAAAABkAAAAMgAAAAAAAABkAAAAAAAAAH9/fwAKAAAAHwAAAFQAAAD///8BOnvLAD17xwAAAAAAAAAAAAAAAAAAAAAAAAAAAAAAAAAAAAAASX28AH9/fwDu7OEDzMzMAMDA/wB/f38AAAAAAAAAAAAAAAAAAAAAAAAAAAAhAAAAGAAAABQAAAAAAAAAUDcAAABQAAAAPAAAEAAAACYAAAAIAAAA//////////8="/>
+                <pr:smNativeData xmlns:pr="smNativeData" xmlns:p14="http://schemas.microsoft.com/office/powerpoint/2010/main" xmlns="" val="SMDATA_13_ec9PYBMAAAAlAAAAZAAAAA0AAAAAkAAAAEgAAACQAAAASAAAAAAAAAABAAAAAAAAAAEAAABQAAAAAAAAAAAA4D8AAAAAAADgPwAAAAAAAOA/AAAAAAAA4D8AAAAAAADgPwAAAAAAAOA/AAAAAAAA4D8AAAAAAADgPwAAAAAAAOA/AAAAAAAA4D8CAAAAjAAAAAEAAAAAAAAA////CDp7ywAAAAAAAAAAAAAAAAAAAAAAAAAAAAAAAAAAAAAAZAAAAAEAAABAAAAAAAAAAJz///9aAAAAAAAAAAEAAABQAAAAPXvHAAAAAAAAAAAAAAAAAAAAAAAAAAAAAAAAAAAAAAAAAAAAAAAAAAAAAAAAAAAAAAAAAAAAAAAAAAAAFAAAADwAAAAAAAAAAAAAAEl9vAAPAAAAAQAAABQAAAAUAAAAFAAAAAEAAAAAAAAAZAAAAGQAAAAAAAAAZAAAAGQAAAAVAAAAYAAAAAAAAAAAAAAADwAAACADAAAAAAAAAAAAAAEAAACgMgAAVgcAAKr4//8BAAAAf39/AAEAAABkAAAAAAAAABQAAABAHwAAAAAAACYAAAAAAAAAwOD//wAAAAAmAAAAZAAAABYAAABMAAAAAAAAAAAAAAAEAAAAAAAAAAEAAADu7OEKAAAAACgAAAAoAAAAZAAAAGQAAAAAAAAAzMzMAAAAAABQAAAAUAAAAGQAAABkAAAAAAAAABcAAAAUAAAAAAAAAAAAAAD/fwAA/38AAAAAAAAJAAAABAAAAAAAAAAMAAAAEAAAAAAAAAAAAAAAAAAAAAAAAAAeAAAAaAAAAAAAAAAAAAAAAAAAAAAAAAAAAAAAECcAABAnAAAAAAAAAAAAAAAAAAAAAAAAAAAAAAAAAAAAAAAAAAAAABQAAAAAAAAAwMD/AAAAAABkAAAAMgAAAAAAAABkAAAAAAAAAH9/fwAKAAAAHwAAAFQAAAD///8BOnvLAD17xwAAAAAAAAAAAAAAAAAAAAAAAAAAAAAAAAAAAAAASX28AH9/fwDu7OEDzMzMAMDA/wB/f38AAAAAAAAAAAAAAAAAAAAAAAAAAAAhAAAAGAAAABQAAAAAAAAAUDcAAABQAAAAPAAAEAAAACYAAAAIAAAA//////////8="/>
               </a:ext>
             </a:extLst>
           </p:cNvSpPr>
@@ -2418,6 +2465,7 @@
                 <a:cs typeface="Calibri" pitchFamily="2" charset="0"/>
               </a:defRPr>
             </a:pPr>
+            <a:endParaRPr/>
           </a:p>
         </p:txBody>
       </p:sp>
@@ -2430,7 +2478,7 @@
 </file>
 
 <file path=ppt/slideLayouts/slideLayout5.xml><?xml version="1.0" encoding="utf-8"?>
-<p:sldLayout xmlns:p="http://schemas.openxmlformats.org/presentationml/2006/main" xmlns:p14="http://schemas.microsoft.com/office/powerpoint/2010/main" xmlns:r="http://schemas.openxmlformats.org/officeDocument/2006/relationships" xmlns:a="http://schemas.openxmlformats.org/drawingml/2006/main" type="blank" preserve="1">
+<p:sldLayout xmlns:a="http://schemas.openxmlformats.org/drawingml/2006/main" xmlns:r="http://schemas.openxmlformats.org/officeDocument/2006/relationships" xmlns:p="http://schemas.openxmlformats.org/presentationml/2006/main" type="blank" preserve="1">
   <p:cSld name="Großes Bild">
     <p:spTree>
       <p:nvGrpSpPr>
@@ -2453,7 +2501,7 @@
             <a:spLocks noGrp="1" noChangeArrowheads="1"/>
             <a:extLst>
               <a:ext uri="smNativeData">
-                <pr:smNativeData xmlns:pr="smNativeData" val="SMDATA_13_ec9PYBMAAAAlAAAAZAAAAE0AAAAAAAAAAAAAAAAAAAAAAAAAAAAAAAAAAAAAAAAAAAEAAABQAAAAAAAAAAAA4D8AAAAAAADgPwAAAAAAAOA/AAAAAAAA4D8AAAAAAADgPwAAAAAAAOA/AAAAAAAA4D8AAAAAAADgPwAAAAAAAOA/AAAAAAAA4D8CAAAAjAAAAAAAAAAAAAAAT4G9DP///wgAAAAAAAAAAAAAAAAAAAAAAAAAAAAAAAAAAAAAZAAAAAEAAABAAAAAAAAAAAAAAAAAAAAAAAAAAAAAAAAAAAAAAAAAAAAAAAAAAAAAAAAAAAAAAAAAAAAAAAAAAAAAAAAAAAAAAAAAAAAAAAAAAAAAAAAAAAAAAAAAAAAAFAAAADwAAAAAAAAAAAAAAAAAAAkUAAAAAQAAABQAAAAUAAAAFAAAAAEAAAAAAAAAZAAAAGQAAAAAAAAAZAAAAGQAAAAVAAAAYAAAAAAAAAAAAAAADwAAACADAAAAAAAAAAAAAAEAAACgMgAAVgcAAKr4//8BAAAAf39/AAEAAABkAAAAAAAAABQAAABAHwAAAAAAACYAAAAAAAAAwOD//wAAAAAmAAAAZAAAABYAAABMAAAAAAAAAAAAAAAEAAAAAAAAAAEAAADu7OEKAAAAACgAAAAoAAAAZAAAAGQAAAAAAAAAzMzMAAAAAABQAAAAUAAAAGQAAABkAAAAAAAAABcAAAAUAAAAAAAAAAAAAAD/fwAA/38AAAAAAAAJAAAABAAAAAAAAAAMAAAAEAAAAAAAAAAAAAAAAAAAAAAAAAAeAAAAaAAAAAAAAAAAAAAAAAAAAAAAAAAAAAAAECcAABAnAAAAAAAAAAAAAAAAAAAAAAAAAAAAAAAAAAAAAAAAAAAAABQAAAAAAAAAwMD/AAAAAABkAAAAMgAAAAAAAABkAAAAAAAAAH9/fwAKAAAAHwAAAFQAAABPgb0F////AQAAAAAAAAAAAAAAAAAAAAAAAAAAAAAAAAAAAAAAAAAAAAAAAn9/fwDu7OEDzMzMAMDA/wB/f38AAAAAAAAAAAAAAAAAAAAAAAAAAAAhAAAAGAAAABQAAAAAAAAAjQ4AAABQAACRNwAAECAAACYAAAAIAAAAPTAAAAAAAAA="/>
+                <pr:smNativeData xmlns:pr="smNativeData" xmlns:p14="http://schemas.microsoft.com/office/powerpoint/2010/main" xmlns="" val="SMDATA_13_ec9PYBMAAAAlAAAAZAAAAE0AAAAAAAAAAAAAAAAAAAAAAAAAAAAAAAAAAAAAAAAAAAEAAABQAAAAAAAAAAAA4D8AAAAAAADgPwAAAAAAAOA/AAAAAAAA4D8AAAAAAADgPwAAAAAAAOA/AAAAAAAA4D8AAAAAAADgPwAAAAAAAOA/AAAAAAAA4D8CAAAAjAAAAAAAAAAAAAAAT4G9DP///wgAAAAAAAAAAAAAAAAAAAAAAAAAAAAAAAAAAAAAZAAAAAEAAABAAAAAAAAAAAAAAAAAAAAAAAAAAAAAAAAAAAAAAAAAAAAAAAAAAAAAAAAAAAAAAAAAAAAAAAAAAAAAAAAAAAAAAAAAAAAAAAAAAAAAAAAAAAAAAAAAAAAAFAAAADwAAAAAAAAAAAAAAAAAAAkUAAAAAQAAABQAAAAUAAAAFAAAAAEAAAAAAAAAZAAAAGQAAAAAAAAAZAAAAGQAAAAVAAAAYAAAAAAAAAAAAAAADwAAACADAAAAAAAAAAAAAAEAAACgMgAAVgcAAKr4//8BAAAAf39/AAEAAABkAAAAAAAAABQAAABAHwAAAAAAACYAAAAAAAAAwOD//wAAAAAmAAAAZAAAABYAAABMAAAAAAAAAAAAAAAEAAAAAAAAAAEAAADu7OEKAAAAACgAAAAoAAAAZAAAAGQAAAAAAAAAzMzMAAAAAABQAAAAUAAAAGQAAABkAAAAAAAAABcAAAAUAAAAAAAAAAAAAAD/fwAA/38AAAAAAAAJAAAABAAAAAAAAAAMAAAAEAAAAAAAAAAAAAAAAAAAAAAAAAAeAAAAaAAAAAAAAAAAAAAAAAAAAAAAAAAAAAAAECcAABAnAAAAAAAAAAAAAAAAAAAAAAAAAAAAAAAAAAAAAAAAAAAAABQAAAAAAAAAwMD/AAAAAABkAAAAMgAAAAAAAABkAAAAAAAAAH9/fwAKAAAAHwAAAFQAAABPgb0F////AQAAAAAAAAAAAAAAAAAAAAAAAAAAAAAAAAAAAAAAAAAAAAAAAn9/fwDu7OEDzMzMAMDA/wB/f38AAAAAAAAAAAAAAAAAAAAAAAAAAAAhAAAAGAAAABQAAAAAAAAAjQ4AAABQAACRNwAAECAAACYAAAAIAAAAPTAAAAAAAAA="/>
               </a:ext>
             </a:extLst>
           </p:cNvSpPr>
@@ -2478,6 +2526,7 @@
             <a:pPr>
               <a:defRPr lang="de-de"/>
             </a:pPr>
+            <a:endParaRPr/>
           </a:p>
         </p:txBody>
       </p:sp>
@@ -2487,7 +2536,7 @@
           <p:cNvSpPr>
             <a:extLst>
               <a:ext uri="smNativeData">
-                <pr:smNativeData xmlns:pr="smNativeData" val="SMDATA_13_ec9PYBMAAAAlAAAACwAAAA0AAAAAAAAAAAAAAAAAAAAAAAAAAAAAAAAAAAAAAAAAAAEAAABQAAAAAAAAAAAA4D8AAAAAAADgPwAAAAAAAOA/AAAAAAAA4D8AAAAAAADgPwAAAAAAAOA/AAAAAAAA4D8AAAAAAADgPwAAAAAAAOA/AAAAAAAA4D8CAAAAjAAAAAEAAAADAAAAECU/AA+W1AAAAAAAAAAAAAAAAAAAAAAAAAAAAAAAAAAAAAAAeAAAAAEAAABAAAAAZAAAAAAAAABoAQAAAAAAAAAAAAAAAAAAAAAAAAAAAAAAAAAAAAAAAAAAAAAAAAAAAAAAAAAAAAAAAAAAAAAAAAAAAAAAAAAAAAAAAAAAAAAAAAAAFAAAADwAAAAAAAAAAAAAAAAAAAAPAAAAAQAAACMAAAAjAAAAIwAAAB4AAAAAAAAAZAAAAGQAAAAAAAAAZAAAAGQAAAAVAAAAYAAAAAAAAAAAAAAADwAAACADAAAAAAAAAAAAAAEAAACgMgAAVgcAAKr4//8BAAAAf39/AAEAAABkAAAAAAAAABQAAABAHwAAAAAAACYAAAAAAAAAwOD//wAAAAAmAAAAZAAAABYAAABMAAAAAAAAAAAAAAAEAAAAAAAAAAEAAADu7OEKAAAAACgAAAAoAAAAZAAAAGQAAAAAAAAAzMzMAAAAAABQAAAAUAAAAGQAAABkAAAAAAAAABcAAAAUAAAAAAAAAAAAAAD/fwAA/38AAAAAAAAJAAAABAAAALBeXQMMAAAAEAAAAAAAAAAAAAAAAAAAAAAAAAAeAAAAaAAAAAEAAAAAAAAAAAAAAAAAAAAAAAAAECcAABAnAAAAAAAAAAAAAAAAAAAAAAAAAAAAAAAAAAAAAAAAAAAAABQAAAAAAAAAwMD/AAAAAABkAAAAMgAAAAAAAABkAAAAAAAAAH9/fwAKAAAAHwAAAFQAAAAQJT8AD5bUAAAAAAAAAAAAAAAAAAAAAAAAAAAAAAAAAAAAAAAAAAAAAAAAAH9/fwDu7OEDzMzMAMDA/wB/f38AAAAAAAAAAAAAAAAAAAAAAAAAAAAhAAAAGAAAABQAAAAAAAAAoggAAABQAACUDgAAEAAAACYAAAAIAAAA//////////8="/>
+                <pr:smNativeData xmlns:pr="smNativeData" xmlns:p14="http://schemas.microsoft.com/office/powerpoint/2010/main" xmlns="" val="SMDATA_13_ec9PYBMAAAAlAAAACwAAAA0AAAAAAAAAAAAAAAAAAAAAAAAAAAAAAAAAAAAAAAAAAAEAAABQAAAAAAAAAAAA4D8AAAAAAADgPwAAAAAAAOA/AAAAAAAA4D8AAAAAAADgPwAAAAAAAOA/AAAAAAAA4D8AAAAAAADgPwAAAAAAAOA/AAAAAAAA4D8CAAAAjAAAAAEAAAADAAAAECU/AA+W1AAAAAAAAAAAAAAAAAAAAAAAAAAAAAAAAAAAAAAAeAAAAAEAAABAAAAAZAAAAAAAAABoAQAAAAAAAAAAAAAAAAAAAAAAAAAAAAAAAAAAAAAAAAAAAAAAAAAAAAAAAAAAAAAAAAAAAAAAAAAAAAAAAAAAAAAAAAAAAAAAAAAAFAAAADwAAAAAAAAAAAAAAAAAAAAPAAAAAQAAACMAAAAjAAAAIwAAAB4AAAAAAAAAZAAAAGQAAAAAAAAAZAAAAGQAAAAVAAAAYAAAAAAAAAAAAAAADwAAACADAAAAAAAAAAAAAAEAAACgMgAAVgcAAKr4//8BAAAAf39/AAEAAABkAAAAAAAAABQAAABAHwAAAAAAACYAAAAAAAAAwOD//wAAAAAmAAAAZAAAABYAAABMAAAAAAAAAAAAAAAEAAAAAAAAAAEAAADu7OEKAAAAACgAAAAoAAAAZAAAAGQAAAAAAAAAzMzMAAAAAABQAAAAUAAAAGQAAABkAAAAAAAAABcAAAAUAAAAAAAAAAAAAAD/fwAA/38AAAAAAAAJAAAABAAAALBeXQMMAAAAEAAAAAAAAAAAAAAAAAAAAAAAAAAeAAAAaAAAAAEAAAAAAAAAAAAAAAAAAAAAAAAAECcAABAnAAAAAAAAAAAAAAAAAAAAAAAAAAAAAAAAAAAAAAAAAAAAABQAAAAAAAAAwMD/AAAAAABkAAAAMgAAAAAAAABkAAAAAAAAAH9/fwAKAAAAHwAAAFQAAAAQJT8AD5bUAAAAAAAAAAAAAAAAAAAAAAAAAAAAAAAAAAAAAAAAAAAAAAAAAH9/fwDu7OEDzMzMAMDA/wB/f38AAAAAAAAAAAAAAAAAAAAAAAAAAAAhAAAAGAAAABQAAAAAAAAAoggAAABQAACUDgAAEAAAACYAAAAIAAAA//////////8="/>
               </a:ext>
             </a:extLst>
           </p:cNvSpPr>
@@ -2549,6 +2598,7 @@
             <a:pPr>
               <a:defRPr lang="de-de"/>
             </a:pPr>
+            <a:endParaRPr/>
           </a:p>
         </p:txBody>
       </p:sp>
@@ -2559,7 +2609,7 @@
             <a:spLocks noGrp="1" noChangeArrowheads="1"/>
             <a:extLst>
               <a:ext uri="smNativeData">
-                <pr:smNativeData xmlns:pr="smNativeData" val="SMDATA_13_ec9PYBMAAAAlAAAAZAAAAE0AAAAAAAAAAAAAAAAAAAAAAAAAAAAAAAAAAAAAAAAAAAEAAABQAAAAAAAAAAAA4D8AAAAAAADgPwAAAAAAAOA/AAAAAAAA4D8AAAAAAADgPwAAAAAAAOA/AAAAAAAA4D8AAAAAAADgPwAAAAAAAOA/AAAAAAAA4D8CAAAAjAAAAAAAAAAAAAAAT4G9DP///wgAAAAAAAAAAAAAAAAAAAAAAAAAAAAAAAAAAAAAZAAAAAEAAABAAAAAAAAAAAAAAAAAAAAAAAAAAAAAAAAAAAAAAAAAAAAAAAAAAAAAAAAAAAAAAAAAAAAAAAAAAAAAAAAAAAAAAAAAAAAAAAAAAAAAAAAAAAAAAAAAAAAAFAAAADwAAAAAAAAAAAAAAAAAAAkUAAAAAQAAABQAAAAUAAAAFAAAAAEAAAAAAAAAZAAAAGQAAAAAAAAAZAAAAGQAAAAVAAAAYAAAAAAAAAAAAAAADwAAACADAAAAAAAAAAAAAAEAAACgMgAAVgcAAKr4//8BAAAAf39/AAEAAABkAAAAAAAAABQAAABAHwAAAAAAACYAAAAAAAAAwOD//wAAAAAmAAAAZAAAABYAAABMAAAAAAAAAAAAAAAEAAAAAAAAAAEAAADu7OEKAAAAACgAAAAoAAAAZAAAAGQAAAAAAAAAzMzMAAAAAABQAAAAUAAAAGQAAABkAAAAAAAAABcAAAAUAAAAAAAAAAAAAAD/fwAA/38AAAAAAAAJAAAABAAAAAAAAAAMAAAAEAAAAAAAAAAAAAAAAAAAAAAAAAAeAAAAaAAAAAAAAAAAAAAAAAAAAAAAAAAAAAAAECcAABAnAAAAAAAAAAAAAAAAAAAAAAAAAAAAAAAAAAAAAAAAAAAAABQAAAAAAAAAwMD/AAAAAABkAAAAMgAAAAAAAABkAAAAAAAAAH9/fwAKAAAAHwAAAFQAAABPgb0F////AQAAAAAAAAAAAAAAAAAAAAAAAAAAAAAAAAAAAAAAAAAAAAAAAn9/fwDu7OEDzMzMAMDA/wB/f38AAAAAAAAAAAAAAAAAAAAAAAAAAAAhAAAAGAAAABQAAADIBQAAdAkAAHpIAACsDAAAECAAACYAAAAIAAAAPYAAAAAAAAA="/>
+                <pr:smNativeData xmlns:pr="smNativeData" xmlns:p14="http://schemas.microsoft.com/office/powerpoint/2010/main" xmlns="" val="SMDATA_13_ec9PYBMAAAAlAAAAZAAAAE0AAAAAAAAAAAAAAAAAAAAAAAAAAAAAAAAAAAAAAAAAAAEAAABQAAAAAAAAAAAA4D8AAAAAAADgPwAAAAAAAOA/AAAAAAAA4D8AAAAAAADgPwAAAAAAAOA/AAAAAAAA4D8AAAAAAADgPwAAAAAAAOA/AAAAAAAA4D8CAAAAjAAAAAAAAAAAAAAAT4G9DP///wgAAAAAAAAAAAAAAAAAAAAAAAAAAAAAAAAAAAAAZAAAAAEAAABAAAAAAAAAAAAAAAAAAAAAAAAAAAAAAAAAAAAAAAAAAAAAAAAAAAAAAAAAAAAAAAAAAAAAAAAAAAAAAAAAAAAAAAAAAAAAAAAAAAAAAAAAAAAAAAAAAAAAFAAAADwAAAAAAAAAAAAAAAAAAAkUAAAAAQAAABQAAAAUAAAAFAAAAAEAAAAAAAAAZAAAAGQAAAAAAAAAZAAAAGQAAAAVAAAAYAAAAAAAAAAAAAAADwAAACADAAAAAAAAAAAAAAEAAACgMgAAVgcAAKr4//8BAAAAf39/AAEAAABkAAAAAAAAABQAAABAHwAAAAAAACYAAAAAAAAAwOD//wAAAAAmAAAAZAAAABYAAABMAAAAAAAAAAAAAAAEAAAAAAAAAAEAAADu7OEKAAAAACgAAAAoAAAAZAAAAGQAAAAAAAAAzMzMAAAAAABQAAAAUAAAAGQAAABkAAAAAAAAABcAAAAUAAAAAAAAAAAAAAD/fwAA/38AAAAAAAAJAAAABAAAAAAAAAAMAAAAEAAAAAAAAAAAAAAAAAAAAAAAAAAeAAAAaAAAAAAAAAAAAAAAAAAAAAAAAAAAAAAAECcAABAnAAAAAAAAAAAAAAAAAAAAAAAAAAAAAAAAAAAAAAAAAAAAABQAAAAAAAAAwMD/AAAAAABkAAAAMgAAAAAAAABkAAAAAAAAAH9/fwAKAAAAHwAAAFQAAABPgb0F////AQAAAAAAAAAAAAAAAAAAAAAAAAAAAAAAAAAAAAAAAAAAAAAAAn9/fwDu7OEDzMzMAMDA/wB/f38AAAAAAAAAAAAAAAAAAAAAAAAAAAAhAAAAGAAAABQAAADIBQAAdAkAAHpIAACsDAAAECAAACYAAAAIAAAAPYAAAAAAAAA="/>
               </a:ext>
             </a:extLst>
           </p:cNvSpPr>
@@ -2619,6 +2669,7 @@
             <a:pPr>
               <a:defRPr lang="de-de" cap="small"/>
             </a:pPr>
+            <a:endParaRPr/>
           </a:p>
         </p:txBody>
       </p:sp>
@@ -2629,7 +2680,7 @@
             <a:spLocks noGrp="1" noChangeArrowheads="1"/>
             <a:extLst>
               <a:ext uri="smNativeData">
-                <pr:smNativeData xmlns:pr="smNativeData" val="SMDATA_13_ec9PYBMAAAAlAAAAZAAAAA0AAAAAAAAAAAAAAAAAAAAAAAAAAAAAAAAAAAAAAAAAAAEAAABQAAAAAAAAAAAA4D8AAAAAAADgPwAAAAAAAOA/AAAAAAAA4D8AAAAAAADgPwAAAAAAAOA/AAAAAAAA4D8AAAAAAADgPwAAAAAAAOA/AAAAAAAA4D8CAAAAjAAAAAAAAAAAAAAAT4G9DP///wgAAAAAAAAAAAAAAAAAAAAAAAAAAAAAAAAAAAAAZAAAAAEAAABAAAAAAAAAAAAAAAAAAAAAAAAAAAAAAAAAAAAAAAAAAAAAAAAAAAAAAAAAAAAAAAAAAAAAAAAAAAAAAAAAAAAAAAAAAAAAAAAAAAAAAAAAAAAAAAAAAAAAFAAAADwAAAAAAAAAAAAAAAAAAAkUAAAAAQAAABQAAAAUAAAAFAAAAAEAAAAAAAAAZAAAAGQAAAAAAAAAZAAAAGQAAAAVAAAAYAAAAAAAAAAAAAAADwAAACADAAAAAAAAAAAAAAEAAACgMgAAVgcAAKr4//8BAAAAf39/AAEAAABkAAAAAAAAABQAAABAHwAAAAAAACYAAAAAAAAAwOD//wAAAAAmAAAAZAAAABYAAABMAAAAAAAAAAAAAAAEAAAAAAAAAAEAAADu7OEKAAAAACgAAAAoAAAAZAAAAGQAAAAAAAAAzMzMAAAAAABQAAAAUAAAAGQAAABkAAAAAAAAABcAAAAUAAAAAAAAAAAAAAD/fwAA/38AAAAAAAAJAAAABAAAAAAAAAAMAAAAEAAAAAAAAAAAAAAAAAAAAAAAAAAeAAAAaAAAAAAAAAAAAAAAAAAAAAAAAAAAAAAAECcAABAnAAAAAAAAAAAAAAAAAAAAAAAAAAAAAAAAAAAAAAAAAAAAABQAAAAAAAAAwMD/AAAAAABkAAAAMgAAAAAAAABkAAAAAAAAAH9/fwAKAAAAHwAAAFQAAABPgb0F////AQAAAAAAAAAAAAAAAAAAAAAAAAAAAAAAAAAAAAAAAAAAAAAAAn9/fwDu7OEDzMzMAMDA/wB/f38AAAAAAAAAAAAAAAAAAAAAAAAAAAAhAAAAGAAAABQAAADqAQAA4DgAAPAKAACYOgAAAAAAACYAAAAIAAAAPIAAAAAAAAA="/>
+                <pr:smNativeData xmlns:pr="smNativeData" xmlns:p14="http://schemas.microsoft.com/office/powerpoint/2010/main" xmlns="" val="SMDATA_13_ec9PYBMAAAAlAAAAZAAAAA0AAAAAAAAAAAAAAAAAAAAAAAAAAAAAAAAAAAAAAAAAAAEAAABQAAAAAAAAAAAA4D8AAAAAAADgPwAAAAAAAOA/AAAAAAAA4D8AAAAAAADgPwAAAAAAAOA/AAAAAAAA4D8AAAAAAADgPwAAAAAAAOA/AAAAAAAA4D8CAAAAjAAAAAAAAAAAAAAAT4G9DP///wgAAAAAAAAAAAAAAAAAAAAAAAAAAAAAAAAAAAAAZAAAAAEAAABAAAAAAAAAAAAAAAAAAAAAAAAAAAAAAAAAAAAAAAAAAAAAAAAAAAAAAAAAAAAAAAAAAAAAAAAAAAAAAAAAAAAAAAAAAAAAAAAAAAAAAAAAAAAAAAAAAAAAFAAAADwAAAAAAAAAAAAAAAAAAAkUAAAAAQAAABQAAAAUAAAAFAAAAAEAAAAAAAAAZAAAAGQAAAAAAAAAZAAAAGQAAAAVAAAAYAAAAAAAAAAAAAAADwAAACADAAAAAAAAAAAAAAEAAACgMgAAVgcAAKr4//8BAAAAf39/AAEAAABkAAAAAAAAABQAAABAHwAAAAAAACYAAAAAAAAAwOD//wAAAAAmAAAAZAAAABYAAABMAAAAAAAAAAAAAAAEAAAAAAAAAAEAAADu7OEKAAAAACgAAAAoAAAAZAAAAGQAAAAAAAAAzMzMAAAAAABQAAAAUAAAAGQAAABkAAAAAAAAABcAAAAUAAAAAAAAAAAAAAD/fwAA/38AAAAAAAAJAAAABAAAAAAAAAAMAAAAEAAAAAAAAAAAAAAAAAAAAAAAAAAeAAAAaAAAAAAAAAAAAAAAAAAAAAAAAAAAAAAAECcAABAnAAAAAAAAAAAAAAAAAAAAAAAAAAAAAAAAAAAAAAAAAAAAABQAAAAAAAAAwMD/AAAAAABkAAAAMgAAAAAAAABkAAAAAAAAAH9/fwAKAAAAHwAAAFQAAABPgb0F////AQAAAAAAAAAAAAAAAAAAAAAAAAAAAAAAAAAAAAAAAAAAAAAAAn9/fwDu7OEDzMzMAMDA/wB/f38AAAAAAAAAAAAAAAAAAAAAAAAAAAAhAAAAGAAAABQAAADqAQAA4DgAAPAKAACYOgAAAAAAACYAAAAIAAAAPIAAAAAAAAA="/>
               </a:ext>
             </a:extLst>
           </p:cNvSpPr>
@@ -2685,7 +2736,6 @@
               <a:rPr lang="en-us"/>
               <a:t>25.03.2021</a:t>
             </a:r>
-            <a:endParaRPr lang="en-us"/>
           </a:p>
         </p:txBody>
       </p:sp>
@@ -2696,7 +2746,7 @@
             <a:spLocks noGrp="1" noChangeArrowheads="1"/>
             <a:extLst>
               <a:ext uri="smNativeData">
-                <pr:smNativeData xmlns:pr="smNativeData" val="SMDATA_13_ec9PYBMAAAAlAAAAZAAAAA0AAAAAAAAAAAAAAAAAAAAAAAAAAAAAAAAAAAAAAAAAAAEAAABQAAAAAAAAAAAA4D8AAAAAAADgPwAAAAAAAOA/AAAAAAAA4D8AAAAAAADgPwAAAAAAAOA/AAAAAAAA4D8AAAAAAADgPwAAAAAAAOA/AAAAAAAA4D8CAAAAjAAAAAAAAAAAAAAAT4G9DP///wgAAAAAAAAAAAAAAAAAAAAAAAAAAAAAAAAAAAAAZAAAAAEAAABAAAAAAAAAAAAAAAAAAAAAAAAAAAAAAAAAAAAAAAAAAAAAAAAAAAAAAAAAAAAAAAAAAAAAAAAAAAAAAAAAAAAAAAAAAAAAAAAAAAAAAAAAAAAAAAAAAAAAFAAAADwAAAAAAAAAAAAAAAAAAAkUAAAAAQAAABQAAAAUAAAAFAAAAAEAAAAAAAAAZAAAAGQAAAAAAAAAZAAAAGQAAAAVAAAAYAAAAAAAAAAAAAAADwAAACADAAAAAAAAAAAAAAEAAACgMgAAVgcAAKr4//8BAAAAf39/AAEAAABkAAAAAAAAABQAAABAHwAAAAAAACYAAAAAAAAAwOD//wAAAAAmAAAAZAAAABYAAABMAAAAAAAAAAAAAAAEAAAAAAAAAAEAAADu7OEKAAAAACgAAAAoAAAAZAAAAGQAAAAAAAAAzMzMAAAAAABQAAAAUAAAAGQAAABkAAAAAAAAABcAAAAUAAAAAAAAAAAAAAD/fwAA/38AAAAAAAAJAAAABAAAAAAAAAAMAAAAEAAAAAAAAAAAAAAAAAAAAAAAAAAeAAAAaAAAAAAAAAAAAAAAAAAAAAAAAAAAAAAAECcAABAnAAAAAAAAAAAAAAAAAAAAAAAAAAAAAAAAAAAAAAAAAAAAABQAAAAAAAAAwMD/AAAAAABkAAAAMgAAAAAAAABkAAAAAAAAAH9/fwAKAAAAHwAAAFQAAABPgb0F////AQAAAAAAAAAAAAAAAAAAAAAAAAAAAAAAAAAAAAAAAAAAAAAAAn9/fwDu7OEDzMzMAMDA/wB/f38AAAAAAAAAAAAAAAAAAAAAAAAAAAAhAAAAGAAAABQAAAAAAAAAAAAAAAAAAAAAAAAAAAAAACYAAAAIAAAAPIAAAAAAAAA="/>
+                <pr:smNativeData xmlns:pr="smNativeData" xmlns:p14="http://schemas.microsoft.com/office/powerpoint/2010/main" xmlns="" val="SMDATA_13_ec9PYBMAAAAlAAAAZAAAAA0AAAAAAAAAAAAAAAAAAAAAAAAAAAAAAAAAAAAAAAAAAAEAAABQAAAAAAAAAAAA4D8AAAAAAADgPwAAAAAAAOA/AAAAAAAA4D8AAAAAAADgPwAAAAAAAOA/AAAAAAAA4D8AAAAAAADgPwAAAAAAAOA/AAAAAAAA4D8CAAAAjAAAAAAAAAAAAAAAT4G9DP///wgAAAAAAAAAAAAAAAAAAAAAAAAAAAAAAAAAAAAAZAAAAAEAAABAAAAAAAAAAAAAAAAAAAAAAAAAAAAAAAAAAAAAAAAAAAAAAAAAAAAAAAAAAAAAAAAAAAAAAAAAAAAAAAAAAAAAAAAAAAAAAAAAAAAAAAAAAAAAAAAAAAAAFAAAADwAAAAAAAAAAAAAAAAAAAkUAAAAAQAAABQAAAAUAAAAFAAAAAEAAAAAAAAAZAAAAGQAAAAAAAAAZAAAAGQAAAAVAAAAYAAAAAAAAAAAAAAADwAAACADAAAAAAAAAAAAAAEAAACgMgAAVgcAAKr4//8BAAAAf39/AAEAAABkAAAAAAAAABQAAABAHwAAAAAAACYAAAAAAAAAwOD//wAAAAAmAAAAZAAAABYAAABMAAAAAAAAAAAAAAAEAAAAAAAAAAEAAADu7OEKAAAAACgAAAAoAAAAZAAAAGQAAAAAAAAAzMzMAAAAAABQAAAAUAAAAGQAAABkAAAAAAAAABcAAAAUAAAAAAAAAAAAAAD/fwAA/38AAAAAAAAJAAAABAAAAAAAAAAMAAAAEAAAAAAAAAAAAAAAAAAAAAAAAAAeAAAAaAAAAAAAAAAAAAAAAAAAAAAAAAAAAAAAECcAABAnAAAAAAAAAAAAAAAAAAAAAAAAAAAAAAAAAAAAAAAAAAAAABQAAAAAAAAAwMD/AAAAAABkAAAAMgAAAAAAAABkAAAAAAAAAH9/fwAKAAAAHwAAAFQAAABPgb0F////AQAAAAAAAAAAAAAAAAAAAAAAAAAAAAAAAAAAAAAAAAAAAAAAAn9/fwDu7OEDzMzMAMDA/wB/f38AAAAAAAAAAAAAAAAAAAAAAAAAAAAhAAAAGAAAABQAAAAAAAAAAAAAAAAAAAAAAAAAAAAAACYAAAAIAAAAPIAAAAAAAAA="/>
               </a:ext>
             </a:extLst>
           </p:cNvSpPr>
@@ -2762,7 +2812,7 @@
             <a:spLocks noGrp="1" noChangeArrowheads="1"/>
             <a:extLst>
               <a:ext uri="smNativeData">
-                <pr:smNativeData xmlns:pr="smNativeData" val="SMDATA_13_ec9PYBMAAAAlAAAAZAAAAA0AAAAAAAAAAAAAAAAAAAAAAAAAAAAAAAAAAAAAAAAAAAEAAABQAAAAAAAAAAAA4D8AAAAAAADgPwAAAAAAAOA/AAAAAAAA4D8AAAAAAADgPwAAAAAAAOA/AAAAAAAA4D8AAAAAAADgPwAAAAAAAOA/AAAAAAAA4D8CAAAAjAAAAAAAAAAAAAAAT4G9DP///wgAAAAAAAAAAAAAAAAAAAAAAAAAAAAAAAAAAAAAZAAAAAEAAABAAAAAAAAAAAAAAAAAAAAAAAAAAAAAAAAAAAAAAAAAAAAAAAAAAAAAAAAAAAAAAAAAAAAAAAAAAAAAAAAAAAAAAAAAAAAAAAAAAAAAAAAAAAAAAAAAAAAAFAAAADwAAAAAAAAAAAAAAAAAAAkUAAAAAQAAABQAAAAUAAAAFAAAAAEAAAAAAAAAZAAAAGQAAAAAAAAAZAAAAGQAAAAVAAAAYAAAAAAAAAAAAAAADwAAACADAAAAAAAAAAAAAAEAAACgMgAAVgcAAKr4//8BAAAAf39/AAEAAABkAAAAAAAAABQAAABAHwAAAAAAACYAAAAAAAAAwOD//wAAAAAmAAAAZAAAABYAAABMAAAAAAAAAAAAAAAEAAAAAAAAAAEAAADu7OEKAAAAACgAAAAoAAAAZAAAAGQAAAAAAAAAzMzMAAAAAABQAAAAUAAAAGQAAABkAAAAAAAAABcAAAAUAAAAAAAAAAAAAAD/fwAA/38AAAAAAAAJAAAABAAAAAAAAAAMAAAAEAAAAAAAAAAAAAAAAAAAAAAAAAAeAAAAaAAAAAAAAAAAAAAAAAAAAAAAAAAAAAAAECcAABAnAAAAAAAAAAAAAAAAAAAAAAAAAAAAAAAAAAAAAAAAAAAAABQAAAAAAAAAwMD/AAAAAABkAAAAMgAAAAAAAABkAAAAAAAAAH9/fwAKAAAAHwAAAFQAAABPgb0F////AQAAAAAAAAAAAAAAAAAAAAAAAAAAAAAAAAAAAAAAAAAAAAAAAn9/fwDu7OEDzMzMAMDA/wB/f38AAAAAAAAAAAAAAAAAAAAAAAAAAAAhAAAAGAAAABQAAADQSAAAGDkAABZOAACYOgAAEAAAACYAAAAIAAAAPIAAAAAAAAA="/>
+                <pr:smNativeData xmlns:pr="smNativeData" xmlns:p14="http://schemas.microsoft.com/office/powerpoint/2010/main" xmlns="" val="SMDATA_13_ec9PYBMAAAAlAAAAZAAAAA0AAAAAAAAAAAAAAAAAAAAAAAAAAAAAAAAAAAAAAAAAAAEAAABQAAAAAAAAAAAA4D8AAAAAAADgPwAAAAAAAOA/AAAAAAAA4D8AAAAAAADgPwAAAAAAAOA/AAAAAAAA4D8AAAAAAADgPwAAAAAAAOA/AAAAAAAA4D8CAAAAjAAAAAAAAAAAAAAAT4G9DP///wgAAAAAAAAAAAAAAAAAAAAAAAAAAAAAAAAAAAAAZAAAAAEAAABAAAAAAAAAAAAAAAAAAAAAAAAAAAAAAAAAAAAAAAAAAAAAAAAAAAAAAAAAAAAAAAAAAAAAAAAAAAAAAAAAAAAAAAAAAAAAAAAAAAAAAAAAAAAAAAAAAAAAFAAAADwAAAAAAAAAAAAAAAAAAAkUAAAAAQAAABQAAAAUAAAAFAAAAAEAAAAAAAAAZAAAAGQAAAAAAAAAZAAAAGQAAAAVAAAAYAAAAAAAAAAAAAAADwAAACADAAAAAAAAAAAAAAEAAACgMgAAVgcAAKr4//8BAAAAf39/AAEAAABkAAAAAAAAABQAAABAHwAAAAAAACYAAAAAAAAAwOD//wAAAAAmAAAAZAAAABYAAABMAAAAAAAAAAAAAAAEAAAAAAAAAAEAAADu7OEKAAAAACgAAAAoAAAAZAAAAGQAAAAAAAAAzMzMAAAAAABQAAAAUAAAAGQAAABkAAAAAAAAABcAAAAUAAAAAAAAAAAAAAD/fwAA/38AAAAAAAAJAAAABAAAAAAAAAAMAAAAEAAAAAAAAAAAAAAAAAAAAAAAAAAeAAAAaAAAAAAAAAAAAAAAAAAAAAAAAAAAAAAAECcAABAnAAAAAAAAAAAAAAAAAAAAAAAAAAAAAAAAAAAAAAAAAAAAABQAAAAAAAAAwMD/AAAAAABkAAAAMgAAAAAAAABkAAAAAAAAAH9/fwAKAAAAHwAAAFQAAABPgb0F////AQAAAAAAAAAAAAAAAAAAAAAAAAAAAAAAAAAAAAAAAAAAAAAAAn9/fwDu7OEDzMzMAMDA/wB/f38AAAAAAAAAAAAAAAAAAAAAAAAAAAAhAAAAGAAAABQAAADQSAAAGDkAABZOAACYOgAAEAAAACYAAAAIAAAAPIAAAAAAAAA="/>
               </a:ext>
             </a:extLst>
           </p:cNvSpPr>
@@ -2815,8 +2865,9 @@
               <a:defRPr lang="de-de"/>
             </a:pPr>
             <a:fld id="{70411597-D99D-14E3-D3F9-2FB65BB7257A}" type="slidenum">
-              <a:t>{Nr.}</a:t>
+              <a:t>‹#›</a:t>
             </a:fld>
+            <a:endParaRPr/>
           </a:p>
         </p:txBody>
       </p:sp>
@@ -2829,7 +2880,7 @@
 </file>
 
 <file path=ppt/slideLayouts/slideLayout6.xml><?xml version="1.0" encoding="utf-8"?>
-<p:sldLayout xmlns:p="http://schemas.openxmlformats.org/presentationml/2006/main" xmlns:p14="http://schemas.microsoft.com/office/powerpoint/2010/main" xmlns:r="http://schemas.openxmlformats.org/officeDocument/2006/relationships" xmlns:a="http://schemas.openxmlformats.org/drawingml/2006/main" type="blank" preserve="1">
+<p:sldLayout xmlns:a="http://schemas.openxmlformats.org/drawingml/2006/main" xmlns:r="http://schemas.openxmlformats.org/officeDocument/2006/relationships" xmlns:p="http://schemas.openxmlformats.org/presentationml/2006/main" type="blank" preserve="1">
   <p:cSld name="Text &amp; Bild">
     <p:spTree>
       <p:nvGrpSpPr>
@@ -2851,7 +2902,7 @@
           <p:cNvSpPr>
             <a:extLst>
               <a:ext uri="smNativeData">
-                <pr:smNativeData xmlns:pr="smNativeData" val="SMDATA_13_ec9PYBMAAAAlAAAACwAAAA0AAAAAAAAAAAAAAAAAAAAAAAAAAAAAAAAAAAAAAAAAAAEAAABQAAAAAAAAAAAA4D8AAAAAAADgPwAAAAAAAOA/AAAAAAAA4D8AAAAAAADgPwAAAAAAAOA/AAAAAAAA4D8AAAAAAADgPwAAAAAAAOA/AAAAAAAA4D8CAAAAjAAAAAEAAAADAAAAECU/AA+W1AAAAAAAAAAAAAAAAAAAAAAAAAAAAAAAAAAAAAAAeAAAAAEAAABAAAAAZAAAAAAAAABoAQAAAAAAAAAAAAAAAAAAAAAAAAAAAAAAAAAAAAAAAAAAAAAAAAAAAAAAAAAAAAAAAAAAAAAAAAAAAAAAAAAAAAAAAAAAAAAAAAAAFAAAADwAAAAAAAAAAAAAAAAAAAAPAAAAAQAAACMAAAAjAAAAIwAAAB4AAAAAAAAAZAAAAGQAAAAAAAAAZAAAAGQAAAAVAAAAYAAAAAAAAAAAAAAADwAAACADAAAAAAAAAAAAAAEAAACgMgAAVgcAAKr4//8BAAAAf39/AAEAAABkAAAAAAAAABQAAABAHwAAAAAAACYAAAAAAAAAwOD//wAAAAAmAAAAZAAAABYAAABMAAAAAAAAAAAAAAAEAAAAAAAAAAEAAADu7OEKAAAAACgAAAAoAAAAZAAAAGQAAAAAAAAAzMzMAAAAAABQAAAAUAAAAGQAAABkAAAAAAAAABcAAAAUAAAAAAAAAAAAAAD/fwAA/38AAAAAAAAJAAAABAAAAC4AAAAMAAAAEAAAAAAAAAAAAAAAAAAAAAAAAAAeAAAAaAAAAAEAAAAAAAAAAAAAAAAAAAAAAAAAECcAABAnAAAAAAAAAAAAAAAAAAAAAAAAAAAAAAAAAAAAAAAAAAAAABQAAAAAAAAAwMD/AAAAAABkAAAAMgAAAAAAAABkAAAAAAAAAH9/fwAKAAAAHwAAAFQAAAAQJT8AD5bUAAAAAAAAAAAAAAAAAAAAAAAAAAAAAAAAAAAAAAAAAAAAAAAAAH9/fwDu7OEDzMzMAMDA/wB/f38AAAAAAAAAAAAAAAAAAAAAAAAAAAAhAAAAGAAAABQAAAAAAAAAoggAAABQAACUDgAAEAAAACYAAAAIAAAA//////////8="/>
+                <pr:smNativeData xmlns:pr="smNativeData" xmlns:p14="http://schemas.microsoft.com/office/powerpoint/2010/main" xmlns="" val="SMDATA_13_ec9PYBMAAAAlAAAACwAAAA0AAAAAAAAAAAAAAAAAAAAAAAAAAAAAAAAAAAAAAAAAAAEAAABQAAAAAAAAAAAA4D8AAAAAAADgPwAAAAAAAOA/AAAAAAAA4D8AAAAAAADgPwAAAAAAAOA/AAAAAAAA4D8AAAAAAADgPwAAAAAAAOA/AAAAAAAA4D8CAAAAjAAAAAEAAAADAAAAECU/AA+W1AAAAAAAAAAAAAAAAAAAAAAAAAAAAAAAAAAAAAAAeAAAAAEAAABAAAAAZAAAAAAAAABoAQAAAAAAAAAAAAAAAAAAAAAAAAAAAAAAAAAAAAAAAAAAAAAAAAAAAAAAAAAAAAAAAAAAAAAAAAAAAAAAAAAAAAAAAAAAAAAAAAAAFAAAADwAAAAAAAAAAAAAAAAAAAAPAAAAAQAAACMAAAAjAAAAIwAAAB4AAAAAAAAAZAAAAGQAAAAAAAAAZAAAAGQAAAAVAAAAYAAAAAAAAAAAAAAADwAAACADAAAAAAAAAAAAAAEAAACgMgAAVgcAAKr4//8BAAAAf39/AAEAAABkAAAAAAAAABQAAABAHwAAAAAAACYAAAAAAAAAwOD//wAAAAAmAAAAZAAAABYAAABMAAAAAAAAAAAAAAAEAAAAAAAAAAEAAADu7OEKAAAAACgAAAAoAAAAZAAAAGQAAAAAAAAAzMzMAAAAAABQAAAAUAAAAGQAAABkAAAAAAAAABcAAAAUAAAAAAAAAAAAAAD/fwAA/38AAAAAAAAJAAAABAAAAC4AAAAMAAAAEAAAAAAAAAAAAAAAAAAAAAAAAAAeAAAAaAAAAAEAAAAAAAAAAAAAAAAAAAAAAAAAECcAABAnAAAAAAAAAAAAAAAAAAAAAAAAAAAAAAAAAAAAAAAAAAAAABQAAAAAAAAAwMD/AAAAAABkAAAAMgAAAAAAAABkAAAAAAAAAH9/fwAKAAAAHwAAAFQAAAAQJT8AD5bUAAAAAAAAAAAAAAAAAAAAAAAAAAAAAAAAAAAAAAAAAAAAAAAAAH9/fwDu7OEDzMzMAMDA/wB/f38AAAAAAAAAAAAAAAAAAAAAAAAAAAAhAAAAGAAAABQAAAAAAAAAoggAAABQAACUDgAAEAAAACYAAAAIAAAA//////////8="/>
               </a:ext>
             </a:extLst>
           </p:cNvSpPr>
@@ -2913,6 +2964,7 @@
             <a:pPr>
               <a:defRPr lang="de-de"/>
             </a:pPr>
+            <a:endParaRPr/>
           </a:p>
         </p:txBody>
       </p:sp>
@@ -2923,7 +2975,7 @@
             <a:spLocks noGrp="1" noChangeArrowheads="1"/>
             <a:extLst>
               <a:ext uri="smNativeData">
-                <pr:smNativeData xmlns:pr="smNativeData" val="SMDATA_13_ec9PYBMAAAAlAAAAZAAAAE0AAAAAAAAAAAAAAAAAAAAAAAAAAAAAAAAAAAAAAAAAAAEAAABQAAAAAAAAAAAA4D8AAAAAAADgPwAAAAAAAOA/AAAAAAAA4D8AAAAAAADgPwAAAAAAAOA/AAAAAAAA4D8AAAAAAADgPwAAAAAAAOA/AAAAAAAA4D8CAAAAjAAAAAAAAAAAAAAAT4G9DP///wgAAAAAAAAAAAAAAAAAAAAAAAAAAAAAAAAAAAAAZAAAAAEAAABAAAAAAAAAAAAAAAAAAAAAAAAAAAAAAAAAAAAAAAAAAAAAAAAAAAAAAAAAAAAAAAAAAAAAAAAAAAAAAAAAAAAAAAAAAAAAAAAAAAAAAAAAAAAAAAAAAAAAFAAAADwAAAAAAAAAAAAAAAAAAAkUAAAAAQAAABQAAAAUAAAAFAAAAAEAAAAAAAAAZAAAAGQAAAAAAAAAZAAAAGQAAAAVAAAAYAAAAAAAAAAAAAAADwAAACADAAAAAAAAAAAAAAEAAACgMgAAVgcAAKr4//8BAAAAf39/AAEAAABkAAAAAAAAABQAAABAHwAAAAAAACYAAAAAAAAAwOD//wAAAAAmAAAAZAAAABYAAABMAAAAAAAAAAAAAAAEAAAAAAAAAAEAAADu7OEKAAAAACgAAAAoAAAAZAAAAGQAAAAAAAAAzMzMAAAAAABQAAAAUAAAAGQAAABkAAAAAAAAABcAAAAUAAAAAAAAAAAAAAD/fwAA/38AAAAAAAAJAAAABAAAAAAAAAAMAAAAEAAAAAAAAAAAAAAAAAAAAAAAAAAeAAAAaAAAAAAAAAAAAAAAAAAAAAAAAAAAAAAAECcAABAnAAAAAAAAAAAAAAAAAAAAAAAAAAAAAAAAAAAAAAAAAAAAABQAAAAAAAAAwMD/AAAAAABkAAAAMgAAAAAAAABkAAAAAAAAAH9/fwAKAAAAHwAAAFQAAABPgb0F////AQAAAAAAAAAAAAAAAAAAAAAAAAAAAAAAAAAAAAAAAAAAAAAAAn9/fwDu7OEDzMzMAMDA/wB/f38AAAAAAAAAAAAAAAAAAAAAAAAAAAAhAAAAGAAAABQAAAAQJwAAlA4AABpQAACYNwAAECAAACYAAAAIAAAAPTAAAAAAAAA="/>
+                <pr:smNativeData xmlns:pr="smNativeData" xmlns:p14="http://schemas.microsoft.com/office/powerpoint/2010/main" xmlns="" val="SMDATA_13_ec9PYBMAAAAlAAAAZAAAAE0AAAAAAAAAAAAAAAAAAAAAAAAAAAAAAAAAAAAAAAAAAAEAAABQAAAAAAAAAAAA4D8AAAAAAADgPwAAAAAAAOA/AAAAAAAA4D8AAAAAAADgPwAAAAAAAOA/AAAAAAAA4D8AAAAAAADgPwAAAAAAAOA/AAAAAAAA4D8CAAAAjAAAAAAAAAAAAAAAT4G9DP///wgAAAAAAAAAAAAAAAAAAAAAAAAAAAAAAAAAAAAAZAAAAAEAAABAAAAAAAAAAAAAAAAAAAAAAAAAAAAAAAAAAAAAAAAAAAAAAAAAAAAAAAAAAAAAAAAAAAAAAAAAAAAAAAAAAAAAAAAAAAAAAAAAAAAAAAAAAAAAAAAAAAAAFAAAADwAAAAAAAAAAAAAAAAAAAkUAAAAAQAAABQAAAAUAAAAFAAAAAEAAAAAAAAAZAAAAGQAAAAAAAAAZAAAAGQAAAAVAAAAYAAAAAAAAAAAAAAADwAAACADAAAAAAAAAAAAAAEAAACgMgAAVgcAAKr4//8BAAAAf39/AAEAAABkAAAAAAAAABQAAABAHwAAAAAAACYAAAAAAAAAwOD//wAAAAAmAAAAZAAAABYAAABMAAAAAAAAAAAAAAAEAAAAAAAAAAEAAADu7OEKAAAAACgAAAAoAAAAZAAAAGQAAAAAAAAAzMzMAAAAAABQAAAAUAAAAGQAAABkAAAAAAAAABcAAAAUAAAAAAAAAAAAAAD/fwAA/38AAAAAAAAJAAAABAAAAAAAAAAMAAAAEAAAAAAAAAAAAAAAAAAAAAAAAAAeAAAAaAAAAAAAAAAAAAAAAAAAAAAAAAAAAAAAECcAABAnAAAAAAAAAAAAAAAAAAAAAAAAAAAAAAAAAAAAAAAAAAAAABQAAAAAAAAAwMD/AAAAAABkAAAAMgAAAAAAAABkAAAAAAAAAH9/fwAKAAAAHwAAAFQAAABPgb0F////AQAAAAAAAAAAAAAAAAAAAAAAAAAAAAAAAAAAAAAAAAAAAAAAAn9/fwDu7OEDzMzMAMDA/wB/f38AAAAAAAAAAAAAAAAAAAAAAAAAAAAhAAAAGAAAABQAAAAQJwAAlA4AABpQAACYNwAAECAAACYAAAAIAAAAPTAAAAAAAAA="/>
               </a:ext>
             </a:extLst>
           </p:cNvSpPr>
@@ -2948,6 +3000,7 @@
             <a:pPr>
               <a:defRPr lang="de-de"/>
             </a:pPr>
+            <a:endParaRPr/>
           </a:p>
         </p:txBody>
       </p:sp>
@@ -2958,7 +3011,7 @@
             <a:spLocks noGrp="1" noChangeArrowheads="1"/>
             <a:extLst>
               <a:ext uri="smNativeData">
-                <pr:smNativeData xmlns:pr="smNativeData" val="SMDATA_13_ec9PYBMAAAAlAAAAZAAAAA0AAAAAAAAAAAAAAAAAAAAAAAAAAAAAAAAAAAAAAAAAAAEAAABQAAAAAAAAAAAA4D8AAAAAAADgPwAAAAAAAOA/AAAAAAAA4D8AAAAAAADgPwAAAAAAAOA/AAAAAAAA4D8AAAAAAADgPwAAAAAAAOA/AAAAAAAA4D8CAAAAjAAAAAAAAAAAAAAAT4G9DP///wgAAAAAAAAAAAAAAAAAAAAAAAAAAAAAAAAAAAAAZAAAAAEAAABAAAAAAAAAAAAAAAAAAAAAAAAAAAAAAAAAAAAAAAAAAAAAAAAAAAAAAAAAAAAAAAAAAAAAAAAAAAAAAAAAAAAAAAAAAAAAAAAAAAAAAAAAAAAAAAAAAAAAFAAAADwAAAAAAAAAAAAAAAAAAAkUAAAAAQAAABQAAAAUAAAAFAAAAAEAAAAAAAAAZAAAAGQAAAAAAAAAZAAAAGQAAAAVAAAAYAAAAAAAAAAAAAAADwAAACADAAAAAAAAAAAAAAEAAACgMgAAVgcAAKr4//8BAAAAf39/AAEAAABkAAAAAAAAABQAAABAHwAAAAAAACYAAAAAAAAAwOD//wAAAAAmAAAAZAAAABYAAABMAAAAAAAAAAAAAAAEAAAAAAAAAAEAAADu7OEKAAAAACgAAAAoAAAAZAAAAGQAAAAAAAAAzMzMAAAAAABQAAAAUAAAAGQAAABkAAAAAAAAABcAAAAUAAAAAAAAAAAAAAD/fwAA/38AAAAAAAAJAAAABAAAAAAAAAAMAAAAEAAAAAAAAAAAAAAAAAAAAAAAAAAeAAAAaAAAAAAAAAAAAAAAAAAAAAAAAAAAAAAAECcAABAnAAAAAAAAAAAAAAAAAAAAAAAAAAAAAAAAAAAAAAAAAAAAABQAAAAAAAAAwMD/AAAAAABkAAAAMgAAAAAAAABkAAAAAAAAAH9/fwAKAAAAHwAAAFQAAABPgb0F////AQAAAAAAAAAAAAAAAAAAAAAAAAAAAAAAAAAAAAAAAAAAAAAAAn9/fwDu7OEDzMzMAMDA/wB/f38AAAAAAAAAAAAAAAAAAAAAAAAAAAAhAAAAGAAAABQAAADqAQAA4DgAAPAKAACYOgAAAAAAACYAAAAIAAAAPIAAAAAAAAA="/>
+                <pr:smNativeData xmlns:pr="smNativeData" xmlns:p14="http://schemas.microsoft.com/office/powerpoint/2010/main" xmlns="" val="SMDATA_13_ec9PYBMAAAAlAAAAZAAAAA0AAAAAAAAAAAAAAAAAAAAAAAAAAAAAAAAAAAAAAAAAAAEAAABQAAAAAAAAAAAA4D8AAAAAAADgPwAAAAAAAOA/AAAAAAAA4D8AAAAAAADgPwAAAAAAAOA/AAAAAAAA4D8AAAAAAADgPwAAAAAAAOA/AAAAAAAA4D8CAAAAjAAAAAAAAAAAAAAAT4G9DP///wgAAAAAAAAAAAAAAAAAAAAAAAAAAAAAAAAAAAAAZAAAAAEAAABAAAAAAAAAAAAAAAAAAAAAAAAAAAAAAAAAAAAAAAAAAAAAAAAAAAAAAAAAAAAAAAAAAAAAAAAAAAAAAAAAAAAAAAAAAAAAAAAAAAAAAAAAAAAAAAAAAAAAFAAAADwAAAAAAAAAAAAAAAAAAAkUAAAAAQAAABQAAAAUAAAAFAAAAAEAAAAAAAAAZAAAAGQAAAAAAAAAZAAAAGQAAAAVAAAAYAAAAAAAAAAAAAAADwAAACADAAAAAAAAAAAAAAEAAACgMgAAVgcAAKr4//8BAAAAf39/AAEAAABkAAAAAAAAABQAAABAHwAAAAAAACYAAAAAAAAAwOD//wAAAAAmAAAAZAAAABYAAABMAAAAAAAAAAAAAAAEAAAAAAAAAAEAAADu7OEKAAAAACgAAAAoAAAAZAAAAGQAAAAAAAAAzMzMAAAAAABQAAAAUAAAAGQAAABkAAAAAAAAABcAAAAUAAAAAAAAAAAAAAD/fwAA/38AAAAAAAAJAAAABAAAAAAAAAAMAAAAEAAAAAAAAAAAAAAAAAAAAAAAAAAeAAAAaAAAAAAAAAAAAAAAAAAAAAAAAAAAAAAAECcAABAnAAAAAAAAAAAAAAAAAAAAAAAAAAAAAAAAAAAAAAAAAAAAABQAAAAAAAAAwMD/AAAAAABkAAAAMgAAAAAAAABkAAAAAAAAAH9/fwAKAAAAHwAAAFQAAABPgb0F////AQAAAAAAAAAAAAAAAAAAAAAAAAAAAAAAAAAAAAAAAAAAAAAAAn9/fwDu7OEDzMzMAMDA/wB/f38AAAAAAAAAAAAAAAAAAAAAAAAAAAAhAAAAGAAAABQAAADqAQAA4DgAAPAKAACYOgAAAAAAACYAAAAIAAAAPIAAAAAAAAA="/>
               </a:ext>
             </a:extLst>
           </p:cNvSpPr>
@@ -3014,7 +3067,6 @@
               <a:rPr lang="en-us"/>
               <a:t>25.03.2021</a:t>
             </a:r>
-            <a:endParaRPr lang="en-us"/>
           </a:p>
         </p:txBody>
       </p:sp>
@@ -3025,7 +3077,7 @@
             <a:spLocks noGrp="1" noChangeArrowheads="1"/>
             <a:extLst>
               <a:ext uri="smNativeData">
-                <pr:smNativeData xmlns:pr="smNativeData" val="SMDATA_13_ec9PYBMAAAAlAAAAZAAAAA0AAAAAAAAAAAAAAAAAAAAAAAAAAAAAAAAAAAAAAAAAAAEAAABQAAAAAAAAAAAA4D8AAAAAAADgPwAAAAAAAOA/AAAAAAAA4D8AAAAAAADgPwAAAAAAAOA/AAAAAAAA4D8AAAAAAADgPwAAAAAAAOA/AAAAAAAA4D8CAAAAjAAAAAAAAAAAAAAAT4G9DP///wgAAAAAAAAAAAAAAAAAAAAAAAAAAAAAAAAAAAAAZAAAAAEAAABAAAAAAAAAAAAAAAAAAAAAAAAAAAAAAAAAAAAAAAAAAAAAAAAAAAAAAAAAAAAAAAAAAAAAAAAAAAAAAAAAAAAAAAAAAAAAAAAAAAAAAAAAAAAAAAAAAAAAFAAAADwAAAAAAAAAAAAAAAAAAAkUAAAAAQAAABQAAAAUAAAAFAAAAAEAAAAAAAAAZAAAAGQAAAAAAAAAZAAAAGQAAAAVAAAAYAAAAAAAAAAAAAAADwAAACADAAAAAAAAAAAAAAEAAACgMgAAVgcAAKr4//8BAAAAf39/AAEAAABkAAAAAAAAABQAAABAHwAAAAAAACYAAAAAAAAAwOD//wAAAAAmAAAAZAAAABYAAABMAAAAAAAAAAAAAAAEAAAAAAAAAAEAAADu7OEKAAAAACgAAAAoAAAAZAAAAGQAAAAAAAAAzMzMAAAAAABQAAAAUAAAAGQAAABkAAAAAAAAABcAAAAUAAAAAAAAAAAAAAD/fwAA/38AAAAAAAAJAAAABAAAAAAAAAAMAAAAEAAAAAAAAAAAAAAAAAAAAAAAAAAeAAAAaAAAAAAAAAAAAAAAAAAAAAAAAAAAAAAAECcAABAnAAAAAAAAAAAAAAAAAAAAAAAAAAAAAAAAAAAAAAAAAAAAABQAAAAAAAAAwMD/AAAAAABkAAAAMgAAAAAAAABkAAAAAAAAAH9/fwAKAAAAHwAAAFQAAABPgb0F////AQAAAAAAAAAAAAAAAAAAAAAAAAAAAAAAAAAAAAAAAAAAAAAAAn9/fwDu7OEDzMzMAMDA/wB/f38AAAAAAAAAAAAAAAAAAAAAAAAAAAAhAAAAGAAAABQAAAAAAAAAAAAAAAAAAAAAAAAAAAAAACYAAAAIAAAAPIAAAAAAAAA="/>
+                <pr:smNativeData xmlns:pr="smNativeData" xmlns:p14="http://schemas.microsoft.com/office/powerpoint/2010/main" xmlns="" val="SMDATA_13_ec9PYBMAAAAlAAAAZAAAAA0AAAAAAAAAAAAAAAAAAAAAAAAAAAAAAAAAAAAAAAAAAAEAAABQAAAAAAAAAAAA4D8AAAAAAADgPwAAAAAAAOA/AAAAAAAA4D8AAAAAAADgPwAAAAAAAOA/AAAAAAAA4D8AAAAAAADgPwAAAAAAAOA/AAAAAAAA4D8CAAAAjAAAAAAAAAAAAAAAT4G9DP///wgAAAAAAAAAAAAAAAAAAAAAAAAAAAAAAAAAAAAAZAAAAAEAAABAAAAAAAAAAAAAAAAAAAAAAAAAAAAAAAAAAAAAAAAAAAAAAAAAAAAAAAAAAAAAAAAAAAAAAAAAAAAAAAAAAAAAAAAAAAAAAAAAAAAAAAAAAAAAAAAAAAAAFAAAADwAAAAAAAAAAAAAAAAAAAkUAAAAAQAAABQAAAAUAAAAFAAAAAEAAAAAAAAAZAAAAGQAAAAAAAAAZAAAAGQAAAAVAAAAYAAAAAAAAAAAAAAADwAAACADAAAAAAAAAAAAAAEAAACgMgAAVgcAAKr4//8BAAAAf39/AAEAAABkAAAAAAAAABQAAABAHwAAAAAAACYAAAAAAAAAwOD//wAAAAAmAAAAZAAAABYAAABMAAAAAAAAAAAAAAAEAAAAAAAAAAEAAADu7OEKAAAAACgAAAAoAAAAZAAAAGQAAAAAAAAAzMzMAAAAAABQAAAAUAAAAGQAAABkAAAAAAAAABcAAAAUAAAAAAAAAAAAAAD/fwAA/38AAAAAAAAJAAAABAAAAAAAAAAMAAAAEAAAAAAAAAAAAAAAAAAAAAAAAAAeAAAAaAAAAAAAAAAAAAAAAAAAAAAAAAAAAAAAECcAABAnAAAAAAAAAAAAAAAAAAAAAAAAAAAAAAAAAAAAAAAAAAAAABQAAAAAAAAAwMD/AAAAAABkAAAAMgAAAAAAAABkAAAAAAAAAH9/fwAKAAAAHwAAAFQAAABPgb0F////AQAAAAAAAAAAAAAAAAAAAAAAAAAAAAAAAAAAAAAAAAAAAAAAAn9/fwDu7OEDzMzMAMDA/wB/f38AAAAAAAAAAAAAAAAAAAAAAAAAAAAhAAAAGAAAABQAAAAAAAAAAAAAAAAAAAAAAAAAAAAAACYAAAAIAAAAPIAAAAAAAAA="/>
               </a:ext>
             </a:extLst>
           </p:cNvSpPr>
@@ -3091,7 +3143,7 @@
             <a:spLocks noGrp="1" noChangeArrowheads="1"/>
             <a:extLst>
               <a:ext uri="smNativeData">
-                <pr:smNativeData xmlns:pr="smNativeData" val="SMDATA_13_ec9PYBMAAAAlAAAAZAAAAA0AAAAAAAAAAAAAAAAAAAAAAAAAAAAAAAAAAAAAAAAAAAEAAABQAAAAAAAAAAAA4D8AAAAAAADgPwAAAAAAAOA/AAAAAAAA4D8AAAAAAADgPwAAAAAAAOA/AAAAAAAA4D8AAAAAAADgPwAAAAAAAOA/AAAAAAAA4D8CAAAAjAAAAAAAAAAAAAAAT4G9DP///wgAAAAAAAAAAAAAAAAAAAAAAAAAAAAAAAAAAAAAZAAAAAEAAABAAAAAAAAAAAAAAAAAAAAAAAAAAAAAAAAAAAAAAAAAAAAAAAAAAAAAAAAAAAAAAAAAAAAAAAAAAAAAAAAAAAAAAAAAAAAAAAAAAAAAAAAAAAAAAAAAAAAAFAAAADwAAAAAAAAAAAAAAAAAAAkUAAAAAQAAABQAAAAUAAAAFAAAAAEAAAAAAAAAZAAAAGQAAAAAAAAAZAAAAGQAAAAVAAAAYAAAAAAAAAAAAAAADwAAACADAAAAAAAAAAAAAAEAAACgMgAAVgcAAKr4//8BAAAAf39/AAEAAABkAAAAAAAAABQAAABAHwAAAAAAACYAAAAAAAAAwOD//wAAAAAmAAAAZAAAABYAAABMAAAAAAAAAAAAAAAEAAAAAAAAAAEAAADu7OEKAAAAACgAAAAoAAAAZAAAAGQAAAAAAAAAzMzMAAAAAABQAAAAUAAAAGQAAABkAAAAAAAAABcAAAAUAAAAAAAAAAAAAAD/fwAA/38AAAAAAAAJAAAABAAAAAAAAAAMAAAAEAAAAAAAAAAAAAAAAAAAAAAAAAAeAAAAaAAAAAAAAAAAAAAAAAAAAAAAAAAAAAAAECcAABAnAAAAAAAAAAAAAAAAAAAAAAAAAAAAAAAAAAAAAAAAAAAAABQAAAAAAAAAwMD/AAAAAABkAAAAMgAAAAAAAABkAAAAAAAAAH9/fwAKAAAAHwAAAFQAAABPgb0F////AQAAAAAAAAAAAAAAAAAAAAAAAAAAAAAAAAAAAAAAAAAAAAAAAn9/fwDu7OEDzMzMAMDA/wB/f38AAAAAAAAAAAAAAAAAAAAAAAAAAAAhAAAAGAAAABQAAADQSAAAGDkAABZOAACYOgAAEAAAACYAAAAIAAAAPIAAAAAAAAA="/>
+                <pr:smNativeData xmlns:pr="smNativeData" xmlns:p14="http://schemas.microsoft.com/office/powerpoint/2010/main" xmlns="" val="SMDATA_13_ec9PYBMAAAAlAAAAZAAAAA0AAAAAAAAAAAAAAAAAAAAAAAAAAAAAAAAAAAAAAAAAAAEAAABQAAAAAAAAAAAA4D8AAAAAAADgPwAAAAAAAOA/AAAAAAAA4D8AAAAAAADgPwAAAAAAAOA/AAAAAAAA4D8AAAAAAADgPwAAAAAAAOA/AAAAAAAA4D8CAAAAjAAAAAAAAAAAAAAAT4G9DP///wgAAAAAAAAAAAAAAAAAAAAAAAAAAAAAAAAAAAAAZAAAAAEAAABAAAAAAAAAAAAAAAAAAAAAAAAAAAAAAAAAAAAAAAAAAAAAAAAAAAAAAAAAAAAAAAAAAAAAAAAAAAAAAAAAAAAAAAAAAAAAAAAAAAAAAAAAAAAAAAAAAAAAFAAAADwAAAAAAAAAAAAAAAAAAAkUAAAAAQAAABQAAAAUAAAAFAAAAAEAAAAAAAAAZAAAAGQAAAAAAAAAZAAAAGQAAAAVAAAAYAAAAAAAAAAAAAAADwAAACADAAAAAAAAAAAAAAEAAACgMgAAVgcAAKr4//8BAAAAf39/AAEAAABkAAAAAAAAABQAAABAHwAAAAAAACYAAAAAAAAAwOD//wAAAAAmAAAAZAAAABYAAABMAAAAAAAAAAAAAAAEAAAAAAAAAAEAAADu7OEKAAAAACgAAAAoAAAAZAAAAGQAAAAAAAAAzMzMAAAAAABQAAAAUAAAAGQAAABkAAAAAAAAABcAAAAUAAAAAAAAAAAAAAD/fwAA/38AAAAAAAAJAAAABAAAAAAAAAAMAAAAEAAAAAAAAAAAAAAAAAAAAAAAAAAeAAAAaAAAAAAAAAAAAAAAAAAAAAAAAAAAAAAAECcAABAnAAAAAAAAAAAAAAAAAAAAAAAAAAAAAAAAAAAAAAAAAAAAABQAAAAAAAAAwMD/AAAAAABkAAAAMgAAAAAAAABkAAAAAAAAAH9/fwAKAAAAHwAAAFQAAABPgb0F////AQAAAAAAAAAAAAAAAAAAAAAAAAAAAAAAAAAAAAAAAAAAAAAAAn9/fwDu7OEDzMzMAMDA/wB/f38AAAAAAAAAAAAAAAAAAAAAAAAAAAAhAAAAGAAAABQAAADQSAAAGDkAABZOAACYOgAAEAAAACYAAAAIAAAAPIAAAAAAAAA="/>
               </a:ext>
             </a:extLst>
           </p:cNvSpPr>
@@ -3144,8 +3196,9 @@
               <a:defRPr lang="de-de"/>
             </a:pPr>
             <a:fld id="{47F9B90D-43AA-AC4F-E441-B51AF70F12E0}" type="slidenum">
-              <a:t>{Nr.}</a:t>
+              <a:t>‹#›</a:t>
             </a:fld>
+            <a:endParaRPr/>
           </a:p>
         </p:txBody>
       </p:sp>
@@ -3156,7 +3209,7 @@
             <a:spLocks noGrp="1" noChangeArrowheads="1"/>
             <a:extLst>
               <a:ext uri="smNativeData">
-                <pr:smNativeData xmlns:pr="smNativeData" val="SMDATA_13_ec9PYBMAAAAlAAAAZAAAAE0AAAAAAAAAAAAAAAAAAAAAAAAAAAAAAAAAAAAAAAAAAAEAAABQAAAAAAAAAAAA4D8AAAAAAADgPwAAAAAAAOA/AAAAAAAA4D8AAAAAAADgPwAAAAAAAOA/AAAAAAAA4D8AAAAAAADgPwAAAAAAAOA/AAAAAAAA4D8CAAAAjAAAAAAAAAAAAAAAT4G9DP///wgAAAAAAAAAAAAAAAAAAAAAAAAAAAAAAAAAAAAAZAAAAAEAAABAAAAAAAAAAAAAAAAAAAAAAAAAAAAAAAAAAAAAAAAAAAAAAAAAAAAAAAAAAAAAAAAAAAAAAAAAAAAAAAAAAAAAAAAAAAAAAAAAAAAAAAAAAAAAAAAAAAAAFAAAADwAAAAAAAAAAAAAAAAAAAkUAAAAAQAAABQAAAAUAAAAFAAAAAEAAAAAAAAAZAAAAGQAAAAAAAAAZAAAAGQAAAAVAAAAYAAAAAAAAAAAAAAADwAAACADAAAAAAAAAAAAAAEAAACgMgAAVgcAAKr4//8BAAAAf39/AAEAAABkAAAAAAAAABQAAABAHwAAAAAAACYAAAAAAAAAwOD//wAAAAAmAAAAZAAAABYAAABMAAAAAAAAAAAAAAAEAAAAAAAAAAEAAADu7OEKAAAAACgAAAAoAAAAZAAAAGQAAAAAAAAAzMzMAAAAAABQAAAAUAAAAGQAAABkAAAAAAAAABcAAAAUAAAAAAAAAAAAAAD/fwAA/38AAAAAAAAJAAAABAAAAAAAAAAMAAAAEAAAAAAAAAAAAAAAAAAAAAAAAAAeAAAAaAAAAAAAAAAAAAAAAAAAAAAAAAAAAAAAECcAABAnAAAAAAAAAAAAAAAAAAAAAAAAAAAAAAAAAAAAAAAAAAAAABQAAAAAAAAAwMD/AAAAAABkAAAAMgAAAAAAAABkAAAAAAAAAH9/fwAKAAAAHwAAAFQAAABPgb0F////AQAAAAAAAAAAAAAAAAAAAAAAAAAAAAAAAAAAAAAAAAAAAAAAAn9/fwDu7OEDzMzMAMDA/wB/f38AAAAAAAAAAAAAAAAAAAAAAAAAAAAhAAAAGAAAABQAAABABgAAwBIAAGAiAAAGFQAAECAAACYAAAAIAAAAPYAAAAAAAAA="/>
+                <pr:smNativeData xmlns:pr="smNativeData" xmlns:p14="http://schemas.microsoft.com/office/powerpoint/2010/main" xmlns="" val="SMDATA_13_ec9PYBMAAAAlAAAAZAAAAE0AAAAAAAAAAAAAAAAAAAAAAAAAAAAAAAAAAAAAAAAAAAEAAABQAAAAAAAAAAAA4D8AAAAAAADgPwAAAAAAAOA/AAAAAAAA4D8AAAAAAADgPwAAAAAAAOA/AAAAAAAA4D8AAAAAAADgPwAAAAAAAOA/AAAAAAAA4D8CAAAAjAAAAAAAAAAAAAAAT4G9DP///wgAAAAAAAAAAAAAAAAAAAAAAAAAAAAAAAAAAAAAZAAAAAEAAABAAAAAAAAAAAAAAAAAAAAAAAAAAAAAAAAAAAAAAAAAAAAAAAAAAAAAAAAAAAAAAAAAAAAAAAAAAAAAAAAAAAAAAAAAAAAAAAAAAAAAAAAAAAAAAAAAAAAAFAAAADwAAAAAAAAAAAAAAAAAAAkUAAAAAQAAABQAAAAUAAAAFAAAAAEAAAAAAAAAZAAAAGQAAAAAAAAAZAAAAGQAAAAVAAAAYAAAAAAAAAAAAAAADwAAACADAAAAAAAAAAAAAAEAAACgMgAAVgcAAKr4//8BAAAAf39/AAEAAABkAAAAAAAAABQAAABAHwAAAAAAACYAAAAAAAAAwOD//wAAAAAmAAAAZAAAABYAAABMAAAAAAAAAAAAAAAEAAAAAAAAAAEAAADu7OEKAAAAACgAAAAoAAAAZAAAAGQAAAAAAAAAzMzMAAAAAABQAAAAUAAAAGQAAABkAAAAAAAAABcAAAAUAAAAAAAAAAAAAAD/fwAA/38AAAAAAAAJAAAABAAAAAAAAAAMAAAAEAAAAAAAAAAAAAAAAAAAAAAAAAAeAAAAaAAAAAAAAAAAAAAAAAAAAAAAAAAAAAAAECcAABAnAAAAAAAAAAAAAAAAAAAAAAAAAAAAAAAAAAAAAAAAAAAAABQAAAAAAAAAwMD/AAAAAABkAAAAMgAAAAAAAABkAAAAAAAAAH9/fwAKAAAAHwAAAFQAAABPgb0F////AQAAAAAAAAAAAAAAAAAAAAAAAAAAAAAAAAAAAAAAAAAAAAAAAn9/fwDu7OEDzMzMAMDA/wB/f38AAAAAAAAAAAAAAAAAAAAAAAAAAAAhAAAAGAAAABQAAABABgAAwBIAAGAiAAAGFQAAECAAACYAAAAIAAAAPYAAAAAAAAA="/>
               </a:ext>
             </a:extLst>
           </p:cNvSpPr>
@@ -3216,6 +3269,7 @@
             <a:pPr>
               <a:defRPr lang="de-de"/>
             </a:pPr>
+            <a:endParaRPr/>
           </a:p>
         </p:txBody>
       </p:sp>
@@ -3226,7 +3280,7 @@
             <a:spLocks noGrp="1" noChangeArrowheads="1"/>
             <a:extLst>
               <a:ext uri="smNativeData">
-                <pr:smNativeData xmlns:pr="smNativeData" val="SMDATA_13_ec9PYBMAAAAlAAAAZAAAAE0AAAAAAAAAAAAAAAAAAAAAAAAAAAAAAAAAAAAAAAAAAAEAAABQAAAAAAAAAAAA4D8AAAAAAADgPwAAAAAAAOA/AAAAAAAA4D8AAAAAAADgPwAAAAAAAOA/AAAAAAAA4D8AAAAAAADgPwAAAAAAAOA/AAAAAAAA4D8CAAAAjAAAAAAAAAAAAAAAT4G9DP///wgAAAAAAAAAAAAAAAAAAAAAAAAAAAAAAAAAAAAAZAAAAAEAAABAAAAAAAAAAAAAAAAAAAAAAAAAAAAAAAAAAAAAAAAAAAAAAAAAAAAAAAAAAAAAAAAAAAAAAAAAAAAAAAAAAAAAAAAAAAAAAAAAAAAAAAAAAAAAAAAAAAAAFAAAADwAAAAAAAAAAAAAAAAAAAkUAAAAAQAAABQAAAAUAAAAFAAAAAEAAAAAAAAAZAAAAGQAAAAAAAAAZAAAAGQAAAAVAAAAYAAAAAAAAAAAAAAADwAAACADAAAAAAAAAAAAAAEAAACgMgAAVgcAAKr4//8BAAAAf39/AAEAAABkAAAAAAAAABQAAABAHwAAAAAAACYAAAAAAAAAwOD//wAAAAAmAAAAZAAAABYAAABMAAAAAAAAAAAAAAAEAAAAAAAAAAEAAADu7OEKAAAAACgAAAAoAAAAZAAAAGQAAAAAAAAAzMzMAAAAAABQAAAAUAAAAGQAAABkAAAAAAAAABcAAAAUAAAAAAAAAAAAAAD/fwAA/38AAAAAAAAJAAAABAAAAAAAAAAMAAAAEAAAAAAAAAAAAAAAAAAAAAAAAAAeAAAAaAAAAAAAAAAAAAAAAAAAAAAAAAAAAAAAECcAABAnAAAAAAAAAAAAAAAAAAAAAAAAAAAAAAAAAAAAAAAAAAAAABQAAAAAAAAAwMD/AAAAAABkAAAAMgAAAAAAAABkAAAAAAAAAH9/fwAKAAAAHwAAAFQAAABPgb0F////AQAAAAAAAAAAAAAAAAAAAAAAAAAAAAAAAAAAAAAAAAAAAAAAAn9/fwDu7OEDzMzMAMDA/wB/f38AAAAAAAAAAAAAAAAAAAAAAAAAAAAhAAAAGAAAABQAAADIBQAAdAkAAHpIAACsDAAAECAAACYAAAAIAAAAPYAAAAAAAAA="/>
+                <pr:smNativeData xmlns:pr="smNativeData" xmlns:p14="http://schemas.microsoft.com/office/powerpoint/2010/main" xmlns="" val="SMDATA_13_ec9PYBMAAAAlAAAAZAAAAE0AAAAAAAAAAAAAAAAAAAAAAAAAAAAAAAAAAAAAAAAAAAEAAABQAAAAAAAAAAAA4D8AAAAAAADgPwAAAAAAAOA/AAAAAAAA4D8AAAAAAADgPwAAAAAAAOA/AAAAAAAA4D8AAAAAAADgPwAAAAAAAOA/AAAAAAAA4D8CAAAAjAAAAAAAAAAAAAAAT4G9DP///wgAAAAAAAAAAAAAAAAAAAAAAAAAAAAAAAAAAAAAZAAAAAEAAABAAAAAAAAAAAAAAAAAAAAAAAAAAAAAAAAAAAAAAAAAAAAAAAAAAAAAAAAAAAAAAAAAAAAAAAAAAAAAAAAAAAAAAAAAAAAAAAAAAAAAAAAAAAAAAAAAAAAAFAAAADwAAAAAAAAAAAAAAAAAAAkUAAAAAQAAABQAAAAUAAAAFAAAAAEAAAAAAAAAZAAAAGQAAAAAAAAAZAAAAGQAAAAVAAAAYAAAAAAAAAAAAAAADwAAACADAAAAAAAAAAAAAAEAAACgMgAAVgcAAKr4//8BAAAAf39/AAEAAABkAAAAAAAAABQAAABAHwAAAAAAACYAAAAAAAAAwOD//wAAAAAmAAAAZAAAABYAAABMAAAAAAAAAAAAAAAEAAAAAAAAAAEAAADu7OEKAAAAACgAAAAoAAAAZAAAAGQAAAAAAAAAzMzMAAAAAABQAAAAUAAAAGQAAABkAAAAAAAAABcAAAAUAAAAAAAAAAAAAAD/fwAA/38AAAAAAAAJAAAABAAAAAAAAAAMAAAAEAAAAAAAAAAAAAAAAAAAAAAAAAAeAAAAaAAAAAAAAAAAAAAAAAAAAAAAAAAAAAAAECcAABAnAAAAAAAAAAAAAAAAAAAAAAAAAAAAAAAAAAAAAAAAAAAAABQAAAAAAAAAwMD/AAAAAABkAAAAMgAAAAAAAABkAAAAAAAAAH9/fwAKAAAAHwAAAFQAAABPgb0F////AQAAAAAAAAAAAAAAAAAAAAAAAAAAAAAAAAAAAAAAAAAAAAAAAn9/fwDu7OEDzMzMAMDA/wB/f38AAAAAAAAAAAAAAAAAAAAAAAAAAAAhAAAAGAAAABQAAADIBQAAdAkAAHpIAACsDAAAECAAACYAAAAIAAAAPYAAAAAAAAA="/>
               </a:ext>
             </a:extLst>
           </p:cNvSpPr>
@@ -3286,6 +3340,7 @@
             <a:pPr>
               <a:defRPr lang="de-de" cap="small"/>
             </a:pPr>
+            <a:endParaRPr/>
           </a:p>
         </p:txBody>
       </p:sp>
@@ -3298,7 +3353,7 @@
 </file>
 
 <file path=ppt/slideLayouts/slideLayout7.xml><?xml version="1.0" encoding="utf-8"?>
-<p:sldLayout xmlns:p="http://schemas.openxmlformats.org/presentationml/2006/main" xmlns:p14="http://schemas.microsoft.com/office/powerpoint/2010/main" xmlns:r="http://schemas.openxmlformats.org/officeDocument/2006/relationships" xmlns:a="http://schemas.openxmlformats.org/drawingml/2006/main" showMasterSp="0" type="blank" preserve="1">
+<p:sldLayout xmlns:a="http://schemas.openxmlformats.org/drawingml/2006/main" xmlns:r="http://schemas.openxmlformats.org/officeDocument/2006/relationships" xmlns:p="http://schemas.openxmlformats.org/presentationml/2006/main" showMasterSp="0" type="blank" preserve="1">
   <p:cSld name="Weiße Folie">
     <p:spTree>
       <p:nvGrpSpPr>
@@ -3323,7 +3378,7 @@
 </file>
 
 <file path=ppt/slideMasters/slideMaster1.xml><?xml version="1.0" encoding="utf-8"?>
-<p:sldMaster xmlns:p="http://schemas.openxmlformats.org/presentationml/2006/main" xmlns:p14="http://schemas.microsoft.com/office/powerpoint/2010/main" xmlns:r="http://schemas.openxmlformats.org/officeDocument/2006/relationships" xmlns:a="http://schemas.openxmlformats.org/drawingml/2006/main">
+<p:sldMaster xmlns:a="http://schemas.openxmlformats.org/drawingml/2006/main" xmlns:r="http://schemas.openxmlformats.org/officeDocument/2006/relationships" xmlns:p="http://schemas.openxmlformats.org/presentationml/2006/main">
   <p:cSld>
     <p:bg>
       <p:bgPr>
@@ -3354,14 +3409,14 @@
             <a:picLocks noChangeAspect="1"/>
             <a:extLst>
               <a:ext uri="smNativeData">
-                <pr:smNativeData xmlns:pr="smNativeData" val="SMDATA_15_ec9PYBMAAAAlAAAAEQAAAC0AAAAAkAAAAEgAAACQAAAASAAAAAAAAAAAAAAAAAAAAAEAAABQAAAAAAAAAAAA4D8AAAAAAADgPwAAAAAAAOA/AAAAAAAA4D8AAAAAAADgPwAAAAAAAOA/AAAAAAAA4D8AAAAAAADgPwAAAAAAAOA/AAAAAAAA4D8CAAAAjAAAAAAAAAAAAAAAT4G9DP///wgAAAAAAAAAAAAAAAAAAAAAAAAAAAAAAAAAAAAAZAAAAAEAAABAAAAAAAAAAAAAAAAAAAAAAAAAAAAAAAAAAAAAAAAAAAAAAAAAAAAAAAAAAAAAAAAAAAAAAAAAAAAAAAAAAAAAAAAAAAAAAAAAAAAAAAAAAAAAAAAAAAAAFAAAADwAAAAAAAAAAAAAAAAAAAkUAAAAAQAAABQAAAAUAAAAFAAAAAEAAAAAAAAAZAAAAGQAAAAAAAAAZAAAAGQAAAAVAAAAYAAAAAAAAAAAAAAADwAAACADAAAAAAAAAAAAAAEAAACgMgAAVgcAAKr4//8BAAAAf39/AAEAAABkAAAAAAAAABQAAABAHwAAAAAAACYAAAAAAAAAwOD//wAAAAAmAAAAZAAAABYAAABMAAAAAAAAAAAAAAAEAAAAAAAAAAEAAADu7OEKAAAAACgAAAAoAAAAZAAAAGQAAAAAAAAAzMzMAAAAAABQAAAAUAAAAGQAAABkAAAAAAAAAAcAAAA4AAAAAAAAAAAAAAAAAAAA////AAAAAAAAAAAAAAAAAAAAAAAAAAAAAAAAAAAAAABkAAAAZAAAAAAAAAAjAAAABAAAAGQAAAAXAAAAFAAAAAAAAAAAAAAA/38AAP9/AAAAAAAACQAAAAQAAAAAAAAADAAAABAAAAAAAAAAAAAAAAAAAAAAAAAAHgAAAGgAAAAAAAAAAAAAAAAAAAAAAAAAAAAAABAnAAAQJwAAAAAAAAAAAAAAAAAAAAAAAAAAAAAAAAAAAAAAAAAAAAAUAAAAAAAAAMDA/wAAAAAAZAAAADIAAAAAAAAAZAAAAAAAAAB/f38ACgAAAB8AAABUAAAAT4G9Bf///wEAAAAAAAAAAAAAAAAAAAAAAAAAAAAAAAAAAAAAAAAAAAAAAAJ/f38A7uzhA8zMzADAwP8Af39/AAAAAAAAAAAAAAAAAP///wAAAAAAIQAAABgAAAAUAAAAAAAAAAAAAAAAUAAAADwAABAAAAAmAAAACAAAAP//////////"/>
+                <pr:smNativeData xmlns:pr="smNativeData" xmlns:p14="http://schemas.microsoft.com/office/powerpoint/2010/main" xmlns="" val="SMDATA_15_ec9PYBMAAAAlAAAAEQAAAC0AAAAAkAAAAEgAAACQAAAASAAAAAAAAAAAAAAAAAAAAAEAAABQAAAAAAAAAAAA4D8AAAAAAADgPwAAAAAAAOA/AAAAAAAA4D8AAAAAAADgPwAAAAAAAOA/AAAAAAAA4D8AAAAAAADgPwAAAAAAAOA/AAAAAAAA4D8CAAAAjAAAAAAAAAAAAAAAT4G9DP///wgAAAAAAAAAAAAAAAAAAAAAAAAAAAAAAAAAAAAAZAAAAAEAAABAAAAAAAAAAAAAAAAAAAAAAAAAAAAAAAAAAAAAAAAAAAAAAAAAAAAAAAAAAAAAAAAAAAAAAAAAAAAAAAAAAAAAAAAAAAAAAAAAAAAAAAAAAAAAAAAAAAAAFAAAADwAAAAAAAAAAAAAAAAAAAkUAAAAAQAAABQAAAAUAAAAFAAAAAEAAAAAAAAAZAAAAGQAAAAAAAAAZAAAAGQAAAAVAAAAYAAAAAAAAAAAAAAADwAAACADAAAAAAAAAAAAAAEAAACgMgAAVgcAAKr4//8BAAAAf39/AAEAAABkAAAAAAAAABQAAABAHwAAAAAAACYAAAAAAAAAwOD//wAAAAAmAAAAZAAAABYAAABMAAAAAAAAAAAAAAAEAAAAAAAAAAEAAADu7OEKAAAAACgAAAAoAAAAZAAAAGQAAAAAAAAAzMzMAAAAAABQAAAAUAAAAGQAAABkAAAAAAAAAAcAAAA4AAAAAAAAAAAAAAAAAAAA////AAAAAAAAAAAAAAAAAAAAAAAAAAAAAAAAAAAAAABkAAAAZAAAAAAAAAAjAAAABAAAAGQAAAAXAAAAFAAAAAAAAAAAAAAA/38AAP9/AAAAAAAACQAAAAQAAAAAAAAADAAAABAAAAAAAAAAAAAAAAAAAAAAAAAAHgAAAGgAAAAAAAAAAAAAAAAAAAAAAAAAAAAAABAnAAAQJwAAAAAAAAAAAAAAAAAAAAAAAAAAAAAAAAAAAAAAAAAAAAAUAAAAAAAAAMDA/wAAAAAAZAAAADIAAAAAAAAAZAAAAAAAAAB/f38ACgAAAB8AAABUAAAAT4G9Bf///wEAAAAAAAAAAAAAAAAAAAAAAAAAAAAAAAAAAAAAAAAAAAAAAAJ/f38A7uzhA8zMzADAwP8Af39/AAAAAAAAAAAAAAAAAP///wAAAAAAIQAAABgAAAAUAAAAAAAAAAAAAAAAUAAAADwAABAAAAAmAAAACAAAAP//////////"/>
               </a:ext>
             </a:extLst>
           </p:cNvPicPr>
           <p:nvPr/>
         </p:nvPicPr>
         <p:blipFill>
-          <a:blip r:embed="rId1"/>
+          <a:blip r:embed="rId9"/>
           <a:stretch>
             <a:fillRect/>
           </a:stretch>
@@ -3388,7 +3443,7 @@
             <a:spLocks noGrp="1" noChangeArrowheads="1"/>
             <a:extLst>
               <a:ext uri="smNativeData">
-                <pr:smNativeData xmlns:pr="smNativeData" val="SMDATA_13_ec9PYBMAAAAlAAAAZAAAAE0AAAAAAAAAAAAAAAAAAAAAAAAAAAAAAAAAAAAAAAAAAAEAAABQAAAAAAAAAAAA4D8AAAAAAADgPwAAAAAAAOA/AAAAAAAA4D8AAAAAAADgPwAAAAAAAOA/AAAAAAAA4D8AAAAAAADgPwAAAAAAAOA/AAAAAAAA4D8CAAAAjAAAAAAAAAAAAAAA////AP///wgAAAAAAAAAAAAAAAAAAAAAAAAAAAAAAAAAAAAAeAAAAAEAAABAAAAAAAAAAAAAAABaAAAAAAAAAAAAAAAAAAAAAAAAAAAAAAAAAAAAAAAAAAAAAAAAAAAAAAAAAAAAAAAAAAAAAAAAAAAAAAAAAAAAAAAAAAAAAAAAAAAAFAAAADwAAAAAAAAAAAAAAAAAAAAPAAAAAQAAACMAAAAjAAAAIwAAAB4AAAAAAAAAZAAAAGQAAAAAAAAAZAAAAGQAAAAVAAAAYAAAAAAAAAAAAAAADwAAACADAAAAAAAAAAAAAAEAAACgMgAAVgcAAKr4//8BAAAAf39/AAEAAABkAAAAAAAAABQAAABAHwAAAAAAACYAAAAAAAAAwOD//wAAAAAmAAAAZAAAABYAAABMAAAAAAAAAAAAAAAEAAAAAAAAAAEAAADu7OEKAAAAACgAAAAoAAAAZAAAAGQAAAAAAAAAzMzMAAAAAABQAAAAUAAAAGQAAABkAAAAAAAAABcAAAAUAAAAAAAAAAAAAAD/fwAA/38AAAAAAAAJAAAABAAAAEvEZf8MAAAAEAAAAAAAAAAAAAAAAAAAAAAAAAAeAAAAaAAAAAAAAAAAAAAAAAAAAAAAAAAAAAAAECcAABAnAAAAAAAAAAAAAAAAAAAAAAAAAAAAAAAAAAAAAAAAAAAAABQAAAAAAAAAwMD/AAAAAABkAAAAMgAAAAAAAABkAAAAAAAAAH9/fwAKAAAAHwAAAFQAAAD///8A////AQAAAAAAAAAAAAAAAAAAAAAAAAAAAAAAAAAAAAAAAAAAAAAAAH9/fwDu7OEDzMzMAMDA/wB/f38AAAAAAAAAAAAAAAAAAAAAAAAAAAAhAAAAGAAAABQAAACnBgAAiQsAAFlJAABlDgAAECAAACYAAAAIAAAAPb8AAAAAAAA="/>
+                <pr:smNativeData xmlns:pr="smNativeData" xmlns:p14="http://schemas.microsoft.com/office/powerpoint/2010/main" xmlns="" val="SMDATA_13_ec9PYBMAAAAlAAAAZAAAAE0AAAAAAAAAAAAAAAAAAAAAAAAAAAAAAAAAAAAAAAAAAAEAAABQAAAAAAAAAAAA4D8AAAAAAADgPwAAAAAAAOA/AAAAAAAA4D8AAAAAAADgPwAAAAAAAOA/AAAAAAAA4D8AAAAAAADgPwAAAAAAAOA/AAAAAAAA4D8CAAAAjAAAAAAAAAAAAAAA////AP///wgAAAAAAAAAAAAAAAAAAAAAAAAAAAAAAAAAAAAAeAAAAAEAAABAAAAAAAAAAAAAAABaAAAAAAAAAAAAAAAAAAAAAAAAAAAAAAAAAAAAAAAAAAAAAAAAAAAAAAAAAAAAAAAAAAAAAAAAAAAAAAAAAAAAAAAAAAAAAAAAAAAAFAAAADwAAAAAAAAAAAAAAAAAAAAPAAAAAQAAACMAAAAjAAAAIwAAAB4AAAAAAAAAZAAAAGQAAAAAAAAAZAAAAGQAAAAVAAAAYAAAAAAAAAAAAAAADwAAACADAAAAAAAAAAAAAAEAAACgMgAAVgcAAKr4//8BAAAAf39/AAEAAABkAAAAAAAAABQAAABAHwAAAAAAACYAAAAAAAAAwOD//wAAAAAmAAAAZAAAABYAAABMAAAAAAAAAAAAAAAEAAAAAAAAAAEAAADu7OEKAAAAACgAAAAoAAAAZAAAAGQAAAAAAAAAzMzMAAAAAABQAAAAUAAAAGQAAABkAAAAAAAAABcAAAAUAAAAAAAAAAAAAAD/fwAA/38AAAAAAAAJAAAABAAAAEvEZf8MAAAAEAAAAAAAAAAAAAAAAAAAAAAAAAAeAAAAaAAAAAAAAAAAAAAAAAAAAAAAAAAAAAAAECcAABAnAAAAAAAAAAAAAAAAAAAAAAAAAAAAAAAAAAAAAAAAAAAAABQAAAAAAAAAwMD/AAAAAABkAAAAMgAAAAAAAABkAAAAAAAAAH9/fwAKAAAAHwAAAFQAAAD///8A////AQAAAAAAAAAAAAAAAAAAAAAAAAAAAAAAAAAAAAAAAAAAAAAAAH9/fwDu7OEDzMzMAMDA/wB/f38AAAAAAAAAAAAAAAAAAAAAAAAAAAAhAAAAGAAAABQAAACnBgAAiQsAAFlJAABlDgAAECAAACYAAAAIAAAAPb8AAAAAAAA="/>
               </a:ext>
             </a:extLst>
           </p:cNvSpPr>
@@ -3417,7 +3472,7 @@
                 <a:solidFill>
                   <a:schemeClr val="bg1"/>
                 </a:solidFill>
-                <a:latin typeface="DINPro" pitchFamily="0" charset="0"/>
+                <a:latin typeface="DINPro" charset="0"/>
                 <a:ea typeface="Calibri" pitchFamily="2" charset="0"/>
                 <a:cs typeface="Calibri" pitchFamily="2" charset="0"/>
               </a:defRPr>
@@ -3451,6 +3506,7 @@
             <a:pPr>
               <a:defRPr lang="de-de"/>
             </a:pPr>
+            <a:endParaRPr/>
           </a:p>
         </p:txBody>
       </p:sp>
@@ -3461,7 +3517,7 @@
             <a:spLocks noGrp="1" noChangeArrowheads="1"/>
             <a:extLst>
               <a:ext uri="smNativeData">
-                <pr:smNativeData xmlns:pr="smNativeData" val="SMDATA_13_ec9PYBMAAAAlAAAAZAAAAE0AAAAAAAAAAAAAAAAAAAAAAAAAAAAAAAAAAAAAAAAAAAEAAABQAAAAAAAAAAAA4D8AAAAAAADgPwAAAAAAAOA/AAAAAAAA4D8AAAAAAADgPwAAAAAAAOA/AAAAAAAA4D8AAAAAAADgPwAAAAAAAOA/AAAAAAAA4D8CAAAAjAAAAAAAAAAAAAAA////AP///wgAAAAAAAAAAAAAAAAAAAAAAAAAAAAAAAAAAAAAeAAAAAEAAABAAAAAAAAAAAAAAABaAAAAAAAAAAAAAAAAAAAAAAAAAAAAAAAAAAAAAAAAAAAAAAAAAAAAAAAAAAAAAAAAAAAAAAAAAAAAAAAAAAAAAAAAAAAAAAAAAAAAFAAAADwAAAAAAAAAAAAAAAAAAAAPAAAAAQAAACMAAAAjAAAAIwAAAB4AAAAAAAAAZAAAAGQAAAAAAAAAZAAAAGQAAAAVAAAAYAAAAAAAAAAAAAAADwAAACADAAAAAAAAAAAAAAEAAACgMgAAVgcAAKr4//8BAAAAf39/AAEAAABkAAAAAAAAABQAAABAHwAAAAAAACYAAAAAAAAAwOD//wAAAAAmAAAAZAAAABYAAABMAAAAAAAAAAAAAAAEAAAAAAAAAAEAAADu7OEKAAAAACgAAAAoAAAAZAAAAGQAAAAAAAAAzMzMAAAAAABQAAAAUAAAAGQAAABkAAAAAAAAABcAAAAUAAAAAAAAAAAAAAD/fwAA/38AAAAAAAAJAAAABAAAAAAAAAAMAAAAEAAAAAAAAAAAAAAAAAAAAAAAAAAeAAAAaAAAAAAAAAAAAAAAAAAAAAAAAAAAAAAAECcAABAnAAAAAAAAAAAAAAAAAAAAAAAAAAAAAAAAAAAAAAAAAAAAABQAAAAAAAAAwMD/AAAAAABkAAAAMgAAAAAAAABkAAAAAAAAAH9/fwAKAAAAHwAAAFQAAAD///8A////AQAAAAAAAAAAAAAAAAAAAAAAAAAAAAAAAAAAAAAAAAAAAAAAAH9/fwDu7OEDzMzMAMDA/wB/f38AAAAAAAAAAAAAAAAAAAAAAAAAAAAhAAAAGAAAABQAAACnBgAARhQAANBIAAA1JQAAECAAACYAAAAIAAAAPb8AAAAAAAA="/>
+                <pr:smNativeData xmlns:pr="smNativeData" xmlns:p14="http://schemas.microsoft.com/office/powerpoint/2010/main" xmlns="" val="SMDATA_13_ec9PYBMAAAAlAAAAZAAAAE0AAAAAAAAAAAAAAAAAAAAAAAAAAAAAAAAAAAAAAAAAAAEAAABQAAAAAAAAAAAA4D8AAAAAAADgPwAAAAAAAOA/AAAAAAAA4D8AAAAAAADgPwAAAAAAAOA/AAAAAAAA4D8AAAAAAADgPwAAAAAAAOA/AAAAAAAA4D8CAAAAjAAAAAAAAAAAAAAA////AP///wgAAAAAAAAAAAAAAAAAAAAAAAAAAAAAAAAAAAAAeAAAAAEAAABAAAAAAAAAAAAAAABaAAAAAAAAAAAAAAAAAAAAAAAAAAAAAAAAAAAAAAAAAAAAAAAAAAAAAAAAAAAAAAAAAAAAAAAAAAAAAAAAAAAAAAAAAAAAAAAAAAAAFAAAADwAAAAAAAAAAAAAAAAAAAAPAAAAAQAAACMAAAAjAAAAIwAAAB4AAAAAAAAAZAAAAGQAAAAAAAAAZAAAAGQAAAAVAAAAYAAAAAAAAAAAAAAADwAAACADAAAAAAAAAAAAAAEAAACgMgAAVgcAAKr4//8BAAAAf39/AAEAAABkAAAAAAAAABQAAABAHwAAAAAAACYAAAAAAAAAwOD//wAAAAAmAAAAZAAAABYAAABMAAAAAAAAAAAAAAAEAAAAAAAAAAEAAADu7OEKAAAAACgAAAAoAAAAZAAAAGQAAAAAAAAAzMzMAAAAAABQAAAAUAAAAGQAAABkAAAAAAAAABcAAAAUAAAAAAAAAAAAAAD/fwAA/38AAAAAAAAJAAAABAAAAAAAAAAMAAAAEAAAAAAAAAAAAAAAAAAAAAAAAAAeAAAAaAAAAAAAAAAAAAAAAAAAAAAAAAAAAAAAECcAABAnAAAAAAAAAAAAAAAAAAAAAAAAAAAAAAAAAAAAAAAAAAAAABQAAAAAAAAAwMD/AAAAAABkAAAAMgAAAAAAAABkAAAAAAAAAH9/fwAKAAAAHwAAAFQAAAD///8A////AQAAAAAAAAAAAAAAAAAAAAAAAAAAAAAAAAAAAAAAAAAAAAAAAH9/fwDu7OEDzMzMAMDA/wB/f38AAAAAAAAAAAAAAAAAAAAAAAAAAAAhAAAAGAAAABQAAACnBgAARhQAANBIAAA1JQAAECAAACYAAAAIAAAAPb8AAAAAAAA="/>
               </a:ext>
             </a:extLst>
           </p:cNvSpPr>
@@ -3490,7 +3546,7 @@
                 <a:solidFill>
                   <a:srgbClr val="575756"/>
                 </a:solidFill>
-                <a:latin typeface="DINPro" pitchFamily="0" charset="0"/>
+                <a:latin typeface="DINPro" charset="0"/>
                 <a:ea typeface="Calibri" pitchFamily="2" charset="0"/>
                 <a:cs typeface="Calibri" pitchFamily="2" charset="0"/>
               </a:defRPr>
@@ -3524,6 +3580,7 @@
             <a:pPr>
               <a:defRPr lang="de-de"/>
             </a:pPr>
+            <a:endParaRPr/>
           </a:p>
         </p:txBody>
       </p:sp>
@@ -3534,7 +3591,7 @@
             <a:spLocks noGrp="1" noChangeArrowheads="1"/>
             <a:extLst>
               <a:ext uri="smNativeData">
-                <pr:smNativeData xmlns:pr="smNativeData" val="SMDATA_13_ec9PYBMAAAAlAAAAZAAAAA0AAAAAAAAAAAAAAAAAAAAAAAAAAAAAAAAAAAAAAAAAAAEAAABQAAAAAAAAAAAA4D8AAAAAAADgPwAAAAAAAOA/AAAAAAAA4D8AAAAAAADgPwAAAAAAAOA/AAAAAAAA4D8AAAAAAADgPwAAAAAAAOA/AAAAAAAA4D8CAAAAjAAAAAAAAAAAAAAA////AP///wgAAAAAAAAAAAAAAAAAAAAAAAAAAAAAAAAAAAAAeAAAAAEAAABAAAAAAAAAAAAAAABaAAAAAAAAAAAAAAAAAAAAAAAAAAAAAAAAAAAAAAAAAAAAAAAAAAAAAAAAAAAAAAAAAAAAAAAAAAAAAAAAAAAAAAAAAAAAAAAAAAAAFAAAADwAAAAAAAAAAAAAAAAAAAAPAAAAAQAAACMAAAAjAAAAIwAAAB4AAAAAAAAAZAAAAGQAAAAAAAAAZAAAAGQAAAAVAAAAYAAAAAAAAAAAAAAADwAAACADAAAAAAAAAAAAAAEAAACgMgAAVgcAAKr4//8BAAAAf39/AAEAAABkAAAAAAAAABQAAABAHwAAAAAAACYAAAAAAAAAwOD//wAAAAAmAAAAZAAAABYAAABMAAAAAAAAAAAAAAAEAAAAAAAAAAEAAADu7OEKAAAAACgAAAAoAAAAZAAAAGQAAAAAAAAAzMzMAAAAAABQAAAAUAAAAGQAAABkAAAAAAAAABcAAAAUAAAAAAAAAAAAAAD/fwAA/38AAAAAAAAJAAAABAAAAAAAAAAMAAAAEAAAAAAAAAAAAAAAAAAAAAAAAAAeAAAAaAAAAAAAAAAAAAAAAAAAAAAAAAAAAAAAECcAABAnAAAAAAAAAAAAAAAAAAAAAAAAAAAAAAAAAAAAAAAAAAAAABQAAAAAAAAAwMD/AAAAAABkAAAAMgAAAAAAAABkAAAAAAAAAH9/fwAKAAAAHwAAAFQAAAD///8A////AQAAAAAAAAAAAAAAAAAAAAAAAAAAAAAAAAAAAAAAAAAAAAAAAH9/fwDu7OEDzMzMAMDA/wB/f38AAAAAAAAAAAAAAAAAAAAAAAAAAAAhAAAAGAAAABQAAADQSAAAGDkAABZOAACYOgAAEAAAACYAAAAIAAAAPY8AAAAAAAA="/>
+                <pr:smNativeData xmlns:pr="smNativeData" xmlns:p14="http://schemas.microsoft.com/office/powerpoint/2010/main" xmlns="" val="SMDATA_13_ec9PYBMAAAAlAAAAZAAAAA0AAAAAAAAAAAAAAAAAAAAAAAAAAAAAAAAAAAAAAAAAAAEAAABQAAAAAAAAAAAA4D8AAAAAAADgPwAAAAAAAOA/AAAAAAAA4D8AAAAAAADgPwAAAAAAAOA/AAAAAAAA4D8AAAAAAADgPwAAAAAAAOA/AAAAAAAA4D8CAAAAjAAAAAAAAAAAAAAA////AP///wgAAAAAAAAAAAAAAAAAAAAAAAAAAAAAAAAAAAAAeAAAAAEAAABAAAAAAAAAAAAAAABaAAAAAAAAAAAAAAAAAAAAAAAAAAAAAAAAAAAAAAAAAAAAAAAAAAAAAAAAAAAAAAAAAAAAAAAAAAAAAAAAAAAAAAAAAAAAAAAAAAAAFAAAADwAAAAAAAAAAAAAAAAAAAAPAAAAAQAAACMAAAAjAAAAIwAAAB4AAAAAAAAAZAAAAGQAAAAAAAAAZAAAAGQAAAAVAAAAYAAAAAAAAAAAAAAADwAAACADAAAAAAAAAAAAAAEAAACgMgAAVgcAAKr4//8BAAAAf39/AAEAAABkAAAAAAAAABQAAABAHwAAAAAAACYAAAAAAAAAwOD//wAAAAAmAAAAZAAAABYAAABMAAAAAAAAAAAAAAAEAAAAAAAAAAEAAADu7OEKAAAAACgAAAAoAAAAZAAAAGQAAAAAAAAAzMzMAAAAAABQAAAAUAAAAGQAAABkAAAAAAAAABcAAAAUAAAAAAAAAAAAAAD/fwAA/38AAAAAAAAJAAAABAAAAAAAAAAMAAAAEAAAAAAAAAAAAAAAAAAAAAAAAAAeAAAAaAAAAAAAAAAAAAAAAAAAAAAAAAAAAAAAECcAABAnAAAAAAAAAAAAAAAAAAAAAAAAAAAAAAAAAAAAAAAAAAAAABQAAAAAAAAAwMD/AAAAAABkAAAAMgAAAAAAAABkAAAAAAAAAH9/fwAKAAAAHwAAAFQAAAD///8A////AQAAAAAAAAAAAAAAAAAAAAAAAAAAAAAAAAAAAAAAAAAAAAAAAH9/fwDu7OEDzMzMAMDA/wB/f38AAAAAAAAAAAAAAAAAAAAAAAAAAAAhAAAAGAAAABQAAADQSAAAGDkAABZOAACYOgAAEAAAACYAAAAIAAAAPY8AAAAAAAA="/>
               </a:ext>
             </a:extLst>
           </p:cNvSpPr>
@@ -3595,8 +3652,9 @@
               <a:defRPr lang="de-de"/>
             </a:pPr>
             <a:fld id="{0641B044-0AEB-1446-A5F9-FC13FEB753A9}" type="slidenum">
-              <a:t>1</a:t>
+              <a:t>‹#›</a:t>
             </a:fld>
+            <a:endParaRPr/>
           </a:p>
         </p:txBody>
       </p:sp>
@@ -3607,7 +3665,7 @@
             <a:spLocks noGrp="1" noChangeArrowheads="1"/>
             <a:extLst>
               <a:ext uri="smNativeData">
-                <pr:smNativeData xmlns:pr="smNativeData" val="SMDATA_13_ec9PYBMAAAAlAAAAZAAAAA0AAAAAAAAAAAAAAAAAAAAAAAAAAAAAAAAAAAAAAAAAAAEAAABQAAAAAAAAAAAA4D8AAAAAAADgPwAAAAAAAOA/AAAAAAAA4D8AAAAAAADgPwAAAAAAAOA/AAAAAAAA4D8AAAAAAADgPwAAAAAAAOA/AAAAAAAA4D8CAAAAjAAAAAAAAAAAAAAA////AP///wgAAAAAAAAAAAAAAAAAAAAAAAAAAAAAAAAAAAAAeAAAAAEAAABAAAAAAAAAAAAAAABaAAAAAAAAAAAAAAAAAAAAAAAAAAAAAAAAAAAAAAAAAAAAAAAAAAAAAAAAAAAAAAAAAAAAAAAAAAAAAAAAAAAAAAAAAAAAAAAAAAAAFAAAADwAAAAAAAAAAAAAAAAAAAAPAAAAAQAAACMAAAAjAAAAIwAAAB4AAAAAAAAAZAAAAGQAAAAAAAAAZAAAAGQAAAAVAAAAYAAAAAAAAAAAAAAADwAAACADAAAAAAAAAAAAAAEAAACgMgAAVgcAAKr4//8BAAAAf39/AAEAAABkAAAAAAAAABQAAABAHwAAAAAAACYAAAAAAAAAwOD//wAAAAAmAAAAZAAAABYAAABMAAAAAAAAAAAAAAAEAAAAAAAAAAEAAADu7OEKAAAAACgAAAAoAAAAZAAAAGQAAAAAAAAAzMzMAAAAAABQAAAAUAAAAGQAAABkAAAAAAAAABcAAAAUAAAAAAAAAAAAAAD/fwAA/38AAAAAAAAJAAAABAAAAAAAAAAMAAAAEAAAAAAAAAAAAAAAAAAAAAAAAAAeAAAAaAAAAAAAAAAAAAAAAAAAAAAAAAAAAAAAECcAABAnAAAAAAAAAAAAAAAAAAAAAAAAAAAAAAAAAAAAAAAAAAAAABQAAAAAAAAAwMD/AAAAAABkAAAAMgAAAAAAAABkAAAAAAAAAH9/fwAKAAAAHwAAAFQAAAD///8A////AQAAAAAAAAAAAAAAAAAAAAAAAAAAAAAAAAAAAAAAAAAAAAAAAH9/fwDu7OEDzMzMAMDA/wB/f38AAAAAAAAAAAAAAAAAAAAAAAAAAAAhAAAAGAAAABQAAADqAQAA4DgAAPAKAACYOgAAAAAAACYAAAAIAAAAPY8AAAAAAAA="/>
+                <pr:smNativeData xmlns:pr="smNativeData" xmlns:p14="http://schemas.microsoft.com/office/powerpoint/2010/main" xmlns="" val="SMDATA_13_ec9PYBMAAAAlAAAAZAAAAA0AAAAAAAAAAAAAAAAAAAAAAAAAAAAAAAAAAAAAAAAAAAEAAABQAAAAAAAAAAAA4D8AAAAAAADgPwAAAAAAAOA/AAAAAAAA4D8AAAAAAADgPwAAAAAAAOA/AAAAAAAA4D8AAAAAAADgPwAAAAAAAOA/AAAAAAAA4D8CAAAAjAAAAAAAAAAAAAAA////AP///wgAAAAAAAAAAAAAAAAAAAAAAAAAAAAAAAAAAAAAeAAAAAEAAABAAAAAAAAAAAAAAABaAAAAAAAAAAAAAAAAAAAAAAAAAAAAAAAAAAAAAAAAAAAAAAAAAAAAAAAAAAAAAAAAAAAAAAAAAAAAAAAAAAAAAAAAAAAAAAAAAAAAFAAAADwAAAAAAAAAAAAAAAAAAAAPAAAAAQAAACMAAAAjAAAAIwAAAB4AAAAAAAAAZAAAAGQAAAAAAAAAZAAAAGQAAAAVAAAAYAAAAAAAAAAAAAAADwAAACADAAAAAAAAAAAAAAEAAACgMgAAVgcAAKr4//8BAAAAf39/AAEAAABkAAAAAAAAABQAAABAHwAAAAAAACYAAAAAAAAAwOD//wAAAAAmAAAAZAAAABYAAABMAAAAAAAAAAAAAAAEAAAAAAAAAAEAAADu7OEKAAAAACgAAAAoAAAAZAAAAGQAAAAAAAAAzMzMAAAAAABQAAAAUAAAAGQAAABkAAAAAAAAABcAAAAUAAAAAAAAAAAAAAD/fwAA/38AAAAAAAAJAAAABAAAAAAAAAAMAAAAEAAAAAAAAAAAAAAAAAAAAAAAAAAeAAAAaAAAAAAAAAAAAAAAAAAAAAAAAAAAAAAAECcAABAnAAAAAAAAAAAAAAAAAAAAAAAAAAAAAAAAAAAAAAAAAAAAABQAAAAAAAAAwMD/AAAAAABkAAAAMgAAAAAAAABkAAAAAAAAAH9/fwAKAAAAHwAAAFQAAAD///8A////AQAAAAAAAAAAAAAAAAAAAAAAAAAAAAAAAAAAAAAAAAAAAAAAAH9/fwDu7OEDzMzMAMDA/wB/f38AAAAAAAAAAAAAAAAAAAAAAAAAAAAhAAAAGAAAABQAAADqAQAA4DgAAPAKAACYOgAAAAAAACYAAAAIAAAAPY8AAAAAAAA="/>
               </a:ext>
             </a:extLst>
           </p:cNvSpPr>
@@ -3671,7 +3729,6 @@
               <a:rPr lang="en-us"/>
               <a:t>25.03.2021</a:t>
             </a:r>
-            <a:endParaRPr lang="en-us"/>
           </a:p>
         </p:txBody>
       </p:sp>
@@ -3681,7 +3738,7 @@
           <p:cNvSpPr>
             <a:extLst>
               <a:ext uri="smNativeData">
-                <pr:smNativeData xmlns:pr="smNativeData" val="SMDATA_13_ec9PYBMAAAAlAAAAZAAAAA0AAAAAkAAAAEgAAACQAAAASAAAAAAAAAAAAAAAAAAAAAEAAABQAAAAAAAAAAAA4D8AAAAAAADgPwAAAAAAAOA/AAAAAAAA4D8AAAAAAADgPwAAAAAAAOA/AAAAAAAA4D8AAAAAAADgPwAAAAAAAOA/AAAAAAAA4D8CAAAAjAAAAAAAAAAAAAAA////AP///wgAAAAAAAAAAAAAAAAAAAAAAAAAAAAAAAAAAAAAeAAAAAEAAABAAAAAAAAAAAAAAABaAAAAAAAAAAAAAAAAAAAAAAAAAAAAAAAAAAAAAAAAAAAAAAAAAAAAAAAAAAAAAAAAAAAAAAAAAAAAAAAAAAAAAAAAAAAAAAAAAAAAFAAAADwAAAAAAAAAAAAAAAAAAAAPAAAAAQAAACMAAAAjAAAAIwAAAB4AAAAAAAAAZAAAAGQAAAAAAAAAZAAAAGQAAAAVAAAAYAAAAAAAAAAAAAAADwAAACADAAAAAAAAAAAAAAEAAACgMgAAVgcAAKr4//8BAAAAf39/AAEAAABkAAAAAAAAABQAAABAHwAAAAAAACYAAAAAAAAAwOD//wAAAAAmAAAAZAAAABYAAABMAAAAAAAAAAAAAAAEAAAAAAAAAAEAAADu7OEKAAAAACgAAAAoAAAAZAAAAGQAAAAAAAAAzMzMAAAAAABQAAAAUAAAAGQAAABkAAAAAAAAABcAAAAUAAAAAAAAAAAAAAD/fwAA/38AAAAAAAAJAAAABAAAAAAAAAAMAAAAEAAAAAAAAAAAAAAAAAAAAAAAAAAeAAAAaAAAAAAAAAAAAAAAAAAAAAAAAAAAAAAAECcAABAnAAAAAAAAAAAAAAAAAAAAAAAAAAAAAAAAAAAAAAAAAAAAABQAAAAAAAAAwMD/AAAAAABkAAAAMgAAAAAAAABkAAAAAAAAAH9/fwAKAAAAHwAAAFQAAAD///8A////AQAAAAAAAAAAAAAAAAAAAAAAAAAAAAAAAAAAAAAAAAAAAAAAAH9/fwDu7OEDzMzMAMDA/wB/f38AAAAAAAAAAAAAAAAAAAAAAAAAAAAhAAAAGAAAABQAAAAwNAAAPgMAAAhNAADyBAAAEAAAACYAAAAIAAAA//////////8="/>
+                <pr:smNativeData xmlns:pr="smNativeData" xmlns:p14="http://schemas.microsoft.com/office/powerpoint/2010/main" xmlns="" val="SMDATA_13_ec9PYBMAAAAlAAAAZAAAAA0AAAAAkAAAAEgAAACQAAAASAAAAAAAAAAAAAAAAAAAAAEAAABQAAAAAAAAAAAA4D8AAAAAAADgPwAAAAAAAOA/AAAAAAAA4D8AAAAAAADgPwAAAAAAAOA/AAAAAAAA4D8AAAAAAADgPwAAAAAAAOA/AAAAAAAA4D8CAAAAjAAAAAAAAAAAAAAA////AP///wgAAAAAAAAAAAAAAAAAAAAAAAAAAAAAAAAAAAAAeAAAAAEAAABAAAAAAAAAAAAAAABaAAAAAAAAAAAAAAAAAAAAAAAAAAAAAAAAAAAAAAAAAAAAAAAAAAAAAAAAAAAAAAAAAAAAAAAAAAAAAAAAAAAAAAAAAAAAAAAAAAAAFAAAADwAAAAAAAAAAAAAAAAAAAAPAAAAAQAAACMAAAAjAAAAIwAAAB4AAAAAAAAAZAAAAGQAAAAAAAAAZAAAAGQAAAAVAAAAYAAAAAAAAAAAAAAADwAAACADAAAAAAAAAAAAAAEAAACgMgAAVgcAAKr4//8BAAAAf39/AAEAAABkAAAAAAAAABQAAABAHwAAAAAAACYAAAAAAAAAwOD//wAAAAAmAAAAZAAAABYAAABMAAAAAAAAAAAAAAAEAAAAAAAAAAEAAADu7OEKAAAAACgAAAAoAAAAZAAAAGQAAAAAAAAAzMzMAAAAAABQAAAAUAAAAGQAAABkAAAAAAAAABcAAAAUAAAAAAAAAAAAAAD/fwAA/38AAAAAAAAJAAAABAAAAAAAAAAMAAAAEAAAAAAAAAAAAAAAAAAAAAAAAAAeAAAAaAAAAAAAAAAAAAAAAAAAAAAAAAAAAAAAECcAABAnAAAAAAAAAAAAAAAAAAAAAAAAAAAAAAAAAAAAAAAAAAAAABQAAAAAAAAAwMD/AAAAAABkAAAAMgAAAAAAAABkAAAAAAAAAH9/fwAKAAAAHwAAAFQAAAD///8A////AQAAAAAAAAAAAAAAAAAAAAAAAAAAAAAAAAAAAAAAAAAAAAAAAH9/fwDu7OEDzMzMAMDA/wB/f38AAAAAAAAAAAAAAAAAAAAAAAAAAAAhAAAAGAAAABQAAAAwNAAAPgMAAAhNAADyBAAAEAAAACYAAAAIAAAA//////////8="/>
               </a:ext>
             </a:extLst>
           </p:cNvSpPr>
@@ -3788,7 +3845,7 @@
           <p:cNvSpPr>
             <a:extLst>
               <a:ext uri="smNativeData">
-                <pr:smNativeData xmlns:pr="smNativeData" val="SMDATA_13_ec9PYBMAAAAlAAAAZAAAAA0AAAAAAAAAAAAAAAAAAAAAAAAAAAAAAAAAAAAAAAAAAAEAAABQAAAAAAAAAAAA4D8AAAAAAADgPwAAAAAAAOA/AAAAAAAA4D8AAAAAAADgPwAAAAAAAOA/AAAAAAAA4D8AAAAAAADgPwAAAAAAAOA/AAAAAAAA4D8CAAAAjAAAAAAAAAAAAAAAT4G9DP///wgAAAAAAAAAAAAAAAAAAAAAAAAAAAAAAAAAAAAAZAAAAAEAAABAAAAAAAAAAAAAAAAAAAAAAAAAAAAAAAAAAAAAAAAAAAAAAAAAAAAAAAAAAAAAAAAAAAAAAAAAAAAAAAAAAAAAAAAAAAAAAAAAAAAAAAAAAAAAAAAAAAAAFAAAADwAAAAAAAAAAAAAAAAAAAkUAAAAAQAAABQAAAAUAAAAFAAAAAEAAAAAAAAAZAAAAGQAAAAAAAAAZAAAAGQAAAAVAAAAYAAAAAAAAAAAAAAADwAAACADAAAAAAAAAAAAAAEAAACgMgAAVgcAAKr4//8BAAAAf39/AAEAAABkAAAAAAAAABQAAABAHwAAAAAAACYAAAAAAAAAwOD//wAAAAAmAAAAZAAAABYAAABMAAAAAAAAAAAAAAAEAAAAAAAAAAEAAADu7OEKAAAAACgAAAAoAAAAZAAAAGQAAAAAAAAAzMzMAAAAAABQAAAAUAAAAGQAAABkAAAAAAAAABcAAAAUAAAAAAAAAAAAAAD/fwAA/38AAAAAAAAJAAAABAAAAHlsZT4MAAAAEAAAAAAAAAAAAAAAAAAAAAAAAAAeAAAAaAAAAAAAAAAAAAAAAAAAAAAAAAAAAAAAECcAABAnAAAAAAAAAAAAAAAAAAAAAAAAAAAAAAAAAAAAAAAAAAAAABQAAAAAAAAAwMD/AAAAAABkAAAAMgAAAAAAAABkAAAAAAAAAH9/fwAKAAAAHwAAAFQAAABPgb0F////AQAAAAAAAAAAAAAAAAAAAAAAAAAAAAAAAAAAAAAAAAAAAAAAAn9/fwDu7OEDzMzMAMDA/wB/f38AAAAAAAAAAAAAAAAAAAAAAAAAAAAhAAAAGAAAABQAAAA+DQAA5TgAACBEAACYOgAAAAAAACYAAAAIAAAA//////////8="/>
+                <pr:smNativeData xmlns:pr="smNativeData" xmlns:p14="http://schemas.microsoft.com/office/powerpoint/2010/main" xmlns="" val="SMDATA_13_ec9PYBMAAAAlAAAAZAAAAA0AAAAAAAAAAAAAAAAAAAAAAAAAAAAAAAAAAAAAAAAAAAEAAABQAAAAAAAAAAAA4D8AAAAAAADgPwAAAAAAAOA/AAAAAAAA4D8AAAAAAADgPwAAAAAAAOA/AAAAAAAA4D8AAAAAAADgPwAAAAAAAOA/AAAAAAAA4D8CAAAAjAAAAAAAAAAAAAAAT4G9DP///wgAAAAAAAAAAAAAAAAAAAAAAAAAAAAAAAAAAAAAZAAAAAEAAABAAAAAAAAAAAAAAAAAAAAAAAAAAAAAAAAAAAAAAAAAAAAAAAAAAAAAAAAAAAAAAAAAAAAAAAAAAAAAAAAAAAAAAAAAAAAAAAAAAAAAAAAAAAAAAAAAAAAAFAAAADwAAAAAAAAAAAAAAAAAAAkUAAAAAQAAABQAAAAUAAAAFAAAAAEAAAAAAAAAZAAAAGQAAAAAAAAAZAAAAGQAAAAVAAAAYAAAAAAAAAAAAAAADwAAACADAAAAAAAAAAAAAAEAAACgMgAAVgcAAKr4//8BAAAAf39/AAEAAABkAAAAAAAAABQAAABAHwAAAAAAACYAAAAAAAAAwOD//wAAAAAmAAAAZAAAABYAAABMAAAAAAAAAAAAAAAEAAAAAAAAAAEAAADu7OEKAAAAACgAAAAoAAAAZAAAAGQAAAAAAAAAzMzMAAAAAABQAAAAUAAAAGQAAABkAAAAAAAAABcAAAAUAAAAAAAAAAAAAAD/fwAA/38AAAAAAAAJAAAABAAAAHlsZT4MAAAAEAAAAAAAAAAAAAAAAAAAAAAAAAAeAAAAaAAAAAAAAAAAAAAAAAAAAAAAAAAAAAAAECcAABAnAAAAAAAAAAAAAAAAAAAAAAAAAAAAAAAAAAAAAAAAAAAAABQAAAAAAAAAwMD/AAAAAABkAAAAMgAAAAAAAABkAAAAAAAAAH9/fwAKAAAAHwAAAFQAAABPgb0F////AQAAAAAAAAAAAAAAAAAAAAAAAAAAAAAAAAAAAAAAAAAAAAAAAn9/fwDu7OEDzMzMAMDA/wB/f38AAAAAAAAAAAAAAAAAAAAAAAAAAAAhAAAAGAAAABQAAAA+DQAA5TgAACBEAACYOgAAAAAAACYAAAAIAAAA//////////8="/>
               </a:ext>
             </a:extLst>
           </p:cNvSpPr>
@@ -3829,13 +3886,13 @@
   </p:cSld>
   <p:clrMap bg1="lt1" tx1="dk1" bg2="lt2" tx2="dk2" accent1="accent1" accent2="accent2" accent3="accent3" accent4="accent4" accent5="accent5" accent6="accent6" hlink="hlink" folHlink="folHlink"/>
   <p:sldLayoutIdLst>
-    <p:sldLayoutId id="2147483661" r:id="rId2"/>
-    <p:sldLayoutId id="2147483662" r:id="rId3"/>
-    <p:sldLayoutId id="2147483666" r:id="rId4"/>
-    <p:sldLayoutId id="2147483668" r:id="rId5"/>
-    <p:sldLayoutId id="2147483664" r:id="rId6"/>
-    <p:sldLayoutId id="2147483667" r:id="rId7"/>
-    <p:sldLayoutId id="2147483665" r:id="rId8"/>
+    <p:sldLayoutId id="2147483661" r:id="rId1"/>
+    <p:sldLayoutId id="2147483662" r:id="rId2"/>
+    <p:sldLayoutId id="2147483666" r:id="rId3"/>
+    <p:sldLayoutId id="2147483668" r:id="rId4"/>
+    <p:sldLayoutId id="2147483664" r:id="rId5"/>
+    <p:sldLayoutId id="2147483667" r:id="rId6"/>
+    <p:sldLayoutId id="2147483665" r:id="rId7"/>
   </p:sldLayoutIdLst>
   <p:hf hdr="0"/>
   <p:txStyles>
@@ -4444,7 +4501,7 @@
 </file>
 
 <file path=ppt/slides/slide1.xml><?xml version="1.0" encoding="utf-8"?>
-<p:sld xmlns:p="http://schemas.openxmlformats.org/presentationml/2006/main" xmlns:p14="http://schemas.microsoft.com/office/powerpoint/2010/main" xmlns:r="http://schemas.openxmlformats.org/officeDocument/2006/relationships" xmlns:a="http://schemas.openxmlformats.org/drawingml/2006/main">
+<p:sld xmlns:a="http://schemas.openxmlformats.org/drawingml/2006/main" xmlns:r="http://schemas.openxmlformats.org/officeDocument/2006/relationships" xmlns:p="http://schemas.openxmlformats.org/presentationml/2006/main">
   <p:cSld>
     <p:spTree>
       <p:nvGrpSpPr>
@@ -4467,7 +4524,7 @@
             <a:spLocks noGrp="1" noChangeArrowheads="1"/>
             <a:extLst>
               <a:ext uri="smNativeData">
-                <pr:smNativeData xmlns:pr="smNativeData" val="SMDATA_13_ec9PYBMAAAAlAAAAZAAAAE0AAAAAAAAAAAAAAAAAAAAAAAAAAAAAAAAAAAAAAAAAAAEAAABQAAAAAAAAAAAA4D8AAAAAAADgPwAAAAAAAOA/AAAAAAAA4D8AAAAAAADgPwAAAAAAAOA/AAAAAAAA4D8AAAAAAADgPwAAAAAAAOA/AAAAAAAA4D8CAAAAjAAAAAAAAAAAAAAAT4G9DP///wgAAAAAAAAAAAAAAAAAAAAAAAAAAAAAAAAAAAAAZAAAAAEAAABAAAAAAAAAAAAAAAAAAAAAAAAAAAAAAAAAAAAAAAAAAAAAAAAAAAAAAAAAAAAAAAAAAAAAAAAAAAAAAAAAAAAAAAAAAAAAAAAAAAAAAAAAAAAAAAAAAAAAFAAAADwAAAAAAAAAAAAAAAAAAAkUAAAAAQAAABQAAAAUAAAAFAAAAAEAAAAAAAAAZAAAAGQAAAAAAAAAZAAAAGQAAAAVAAAAYAAAAAAAAAAAAAAADwAAACADAAAAAAAAAAAAAAEAAACgMgAAVgcAAKr4//8BAAAAf39/AAEAAABkAAAAAAAAABQAAABAHwAAAAAAACYAAAAAAAAAwOD//wAAAAAmAAAAZAAAABYAAABMAAAAAAAAAAAAAAAEAAAAAAAAAAEAAADu7OEKAAAAACgAAAAoAAAAZAAAAGQAAAAAAAAAzMzMAAAAAABQAAAAUAAAAGQAAABkAAAAAAAAABcAAAAUAAAAAAAAAAAAAAD/fwAA/38AAAAAAAAJAAAABAAAAAAAAAAMAAAAEAAAAAAAAAAAAAAAAAAAAAAAAAAeAAAAaAAAAAAAAAAAAAAAAAAAAAAAAAAAAAAAECcAABAnAAAAAAAAAAAAAAAAAAAAAAAAAAAAAAAAAAAAAAAAAAAAABQAAAAAAAAAwMD/AAAAAABkAAAAMgAAAAAAAABkAAAAAAAAAH9/fwAKAAAAHwAAAFQAAABPgb0F////AQAAAAAAAAAAAAAAAAAAAAAAAAAAAAAAAAAAAAAAAAAAAAAAAn9/fwDu7OEDzMzMAMDA/wB/f38AAAAAAAAAAAAAAAAAAAAAAAAAAAAhAAAAGAAAABQAAACSBQAAmBwAAERIAADYJwAAACAAACYAAAAIAAAAAQAAAAAAAAA="/>
+                <pr:smNativeData xmlns:pr="smNativeData" xmlns:p14="http://schemas.microsoft.com/office/powerpoint/2010/main" xmlns="" val="SMDATA_13_ec9PYBMAAAAlAAAAZAAAAE0AAAAAAAAAAAAAAAAAAAAAAAAAAAAAAAAAAAAAAAAAAAEAAABQAAAAAAAAAAAA4D8AAAAAAADgPwAAAAAAAOA/AAAAAAAA4D8AAAAAAADgPwAAAAAAAOA/AAAAAAAA4D8AAAAAAADgPwAAAAAAAOA/AAAAAAAA4D8CAAAAjAAAAAAAAAAAAAAAT4G9DP///wgAAAAAAAAAAAAAAAAAAAAAAAAAAAAAAAAAAAAAZAAAAAEAAABAAAAAAAAAAAAAAAAAAAAAAAAAAAAAAAAAAAAAAAAAAAAAAAAAAAAAAAAAAAAAAAAAAAAAAAAAAAAAAAAAAAAAAAAAAAAAAAAAAAAAAAAAAAAAAAAAAAAAFAAAADwAAAAAAAAAAAAAAAAAAAkUAAAAAQAAABQAAAAUAAAAFAAAAAEAAAAAAAAAZAAAAGQAAAAAAAAAZAAAAGQAAAAVAAAAYAAAAAAAAAAAAAAADwAAACADAAAAAAAAAAAAAAEAAACgMgAAVgcAAKr4//8BAAAAf39/AAEAAABkAAAAAAAAABQAAABAHwAAAAAAACYAAAAAAAAAwOD//wAAAAAmAAAAZAAAABYAAABMAAAAAAAAAAAAAAAEAAAAAAAAAAEAAADu7OEKAAAAACgAAAAoAAAAZAAAAGQAAAAAAAAAzMzMAAAAAABQAAAAUAAAAGQAAABkAAAAAAAAABcAAAAUAAAAAAAAAAAAAAD/fwAA/38AAAAAAAAJAAAABAAAAAAAAAAMAAAAEAAAAAAAAAAAAAAAAAAAAAAAAAAeAAAAaAAAAAAAAAAAAAAAAAAAAAAAAAAAAAAAECcAABAnAAAAAAAAAAAAAAAAAAAAAAAAAAAAAAAAAAAAAAAAAAAAABQAAAAAAAAAwMD/AAAAAABkAAAAMgAAAAAAAABkAAAAAAAAAH9/fwAKAAAAHwAAAFQAAABPgb0F////AQAAAAAAAAAAAAAAAAAAAAAAAAAAAAAAAAAAAAAAAAAAAAAAAn9/fwDu7OEDzMzMAMDA/wB/f38AAAAAAAAAAAAAAAAAAAAAAAAAAAAhAAAAGAAAABQAAACSBQAAmBwAAERIAADYJwAAACAAACYAAAAIAAAAAQAAAAAAAAA="/>
               </a:ext>
             </a:extLst>
           </p:cNvSpPr>
@@ -4501,7 +4558,7 @@
             <a:spLocks noGrp="1" noChangeArrowheads="1"/>
             <a:extLst>
               <a:ext uri="smNativeData">
-                <pr:smNativeData xmlns:pr="smNativeData" val="SMDATA_13_ec9PYBMAAAAlAAAAZAAAAE0AAAAAAAAAAAAAAAAAAAAAAAAAAAAAAAAAAAAAAAAAAAEAAABQAAAAAAAAAAAA4D8AAAAAAADgPwAAAAAAAOA/AAAAAAAA4D8AAAAAAADgPwAAAAAAAOA/AAAAAAAA4D8AAAAAAADgPwAAAAAAAOA/AAAAAAAA4D8CAAAAjAAAAAAAAAAAAAAAT4G9DP///wgAAAAAAAAAAAAAAAAAAAAAAAAAAAAAAAAAAAAAZAAAAAEAAABAAAAAAAAAAAAAAAAAAAAAAAAAAAAAAAAAAAAAAAAAAAAAAAAAAAAAAAAAAAAAAAAAAAAAAAAAAAAAAAAAAAAAAAAAAAAAAAAAAAAAAAAAAAAAAAAAAAAAFAAAADwAAAAAAAAAAAAAAAAAAAkUAAAAAQAAABQAAAAUAAAAFAAAAAEAAAAAAAAAZAAAAGQAAAAAAAAAZAAAAGQAAAAVAAAAYAAAAAAAAAAAAAAADwAAACADAAAAAAAAAAAAAAEAAACgMgAAVgcAAKr4//8BAAAAf39/AAEAAABkAAAAAAAAABQAAABAHwAAAAAAACYAAAAAAAAAwOD//wAAAAAmAAAAZAAAABYAAABMAAAAAAAAAAAAAAAEAAAAAAAAAAEAAADu7OEKAAAAACgAAAAoAAAAZAAAAGQAAAAAAAAAzMzMAAAAAABQAAAAUAAAAGQAAABkAAAAAAAAABcAAAAUAAAAAAAAAAAAAAD/fwAA/38AAAAAAAAJAAAABAAAAAAAAAAMAAAAEAAAAAAAAAAAAAAAAAAAAAAAAAAeAAAAaAAAAAAAAAAAAAAAAAAAAAAAAAAAAAAAECcAABAnAAAAAAAAAAAAAAAAAAAAAAAAAAAAAAAAAAAAAAAAAAAAABQAAAAAAAAAwMD/AAAAAABkAAAAMgAAAAAAAABkAAAAAAAAAH9/fwAKAAAAHwAAAFQAAABPgb0F////AQAAAAAAAAAAAAAAAAAAAAAAAAAAAAAAAAAAAAAAAAAAAAAAAn9/fwDu7OEDzMzMAMDA/wB/f38AAAAAAAAAAAAAAAAAAAAAAAAAAAAhAAAAGAAAABQAAADIBQAAgigAAMg9AADCKgAAACAAACYAAAAIAAAAAQAAAAAAAAA="/>
+                <pr:smNativeData xmlns:pr="smNativeData" xmlns:p14="http://schemas.microsoft.com/office/powerpoint/2010/main" xmlns="" val="SMDATA_13_ec9PYBMAAAAlAAAAZAAAAE0AAAAAAAAAAAAAAAAAAAAAAAAAAAAAAAAAAAAAAAAAAAEAAABQAAAAAAAAAAAA4D8AAAAAAADgPwAAAAAAAOA/AAAAAAAA4D8AAAAAAADgPwAAAAAAAOA/AAAAAAAA4D8AAAAAAADgPwAAAAAAAOA/AAAAAAAA4D8CAAAAjAAAAAAAAAAAAAAAT4G9DP///wgAAAAAAAAAAAAAAAAAAAAAAAAAAAAAAAAAAAAAZAAAAAEAAABAAAAAAAAAAAAAAAAAAAAAAAAAAAAAAAAAAAAAAAAAAAAAAAAAAAAAAAAAAAAAAAAAAAAAAAAAAAAAAAAAAAAAAAAAAAAAAAAAAAAAAAAAAAAAAAAAAAAAFAAAADwAAAAAAAAAAAAAAAAAAAkUAAAAAQAAABQAAAAUAAAAFAAAAAEAAAAAAAAAZAAAAGQAAAAAAAAAZAAAAGQAAAAVAAAAYAAAAAAAAAAAAAAADwAAACADAAAAAAAAAAAAAAEAAACgMgAAVgcAAKr4//8BAAAAf39/AAEAAABkAAAAAAAAABQAAABAHwAAAAAAACYAAAAAAAAAwOD//wAAAAAmAAAAZAAAABYAAABMAAAAAAAAAAAAAAAEAAAAAAAAAAEAAADu7OEKAAAAACgAAAAoAAAAZAAAAGQAAAAAAAAAzMzMAAAAAABQAAAAUAAAAGQAAABkAAAAAAAAABcAAAAUAAAAAAAAAAAAAAD/fwAA/38AAAAAAAAJAAAABAAAAAAAAAAMAAAAEAAAAAAAAAAAAAAAAAAAAAAAAAAeAAAAaAAAAAAAAAAAAAAAAAAAAAAAAAAAAAAAECcAABAnAAAAAAAAAAAAAAAAAAAAAAAAAAAAAAAAAAAAAAAAAAAAABQAAAAAAAAAwMD/AAAAAABkAAAAMgAAAAAAAABkAAAAAAAAAH9/fwAKAAAAHwAAAFQAAABPgb0F////AQAAAAAAAAAAAAAAAAAAAAAAAAAAAAAAAAAAAAAAAAAAAAAAAn9/fwDu7OEDzMzMAMDA/wB/f38AAAAAAAAAAAAAAAAAAAAAAAAAAAAhAAAAGAAAABQAAADIBQAAgigAAMg9AADCKgAAACAAACYAAAAIAAAAAQAAAAAAAAA="/>
               </a:ext>
             </a:extLst>
           </p:cNvSpPr>
@@ -4535,7 +4592,7 @@
             <a:spLocks noGrp="1" noChangeArrowheads="1"/>
             <a:extLst>
               <a:ext uri="smNativeData">
-                <pr:smNativeData xmlns:pr="smNativeData" val="SMDATA_13_ec9PYBMAAAAlAAAAZAAAAE0AAAAAAAAAAAAAAAAAAAAAAAAAAAAAAAAAAAAAAAAAAAEAAABQAAAAAAAAAAAA4D8AAAAAAADgPwAAAAAAAOA/AAAAAAAA4D8AAAAAAADgPwAAAAAAAOA/AAAAAAAA4D8AAAAAAADgPwAAAAAAAOA/AAAAAAAA4D8CAAAAjAAAAAAAAAAAAAAAT4G9DP///wgAAAAAAAAAAAAAAAAAAAAAAAAAAAAAAAAAAAAAZAAAAAEAAABAAAAAAAAAAAAAAAAAAAAAAAAAAAAAAAAAAAAAAAAAAAAAAAAAAAAAAAAAAAAAAAAAAAAAAAAAAAAAAAAAAAAAAAAAAAAAAAAAAAAAAAAAAAAAAAAAAAAAFAAAADwAAAAAAAAAAAAAAAAAAAkUAAAAAQAAABQAAAAUAAAAFAAAAAEAAAAAAAAAZAAAAGQAAAAAAAAAZAAAAGQAAAAVAAAAYAAAAAAAAAAAAAAADwAAACADAAAAAAAAAAAAAAEAAACgMgAAVgcAAKr4//8BAAAAf39/AAEAAABkAAAAAAAAABQAAABAHwAAAAAAACYAAAAAAAAAwOD//wAAAAAmAAAAZAAAABYAAABMAAAAAAAAAAAAAAAEAAAAAAAAAAEAAADu7OEKAAAAACgAAAAoAAAAZAAAAGQAAAAAAAAAzMzMAAAAAABQAAAAUAAAAGQAAABkAAAAAAAAABcAAAAUAAAAAAAAAAAAAAD/fwAA/38AAAAAAAAJAAAABAAAAAAAAAAMAAAAEAAAAAAAAAAAAAAAAAAAAAAAAAAeAAAAaAAAAAAAAAAAAAAAAAAAAAAAAAAAAAAAECcAABAnAAAAAAAAAAAAAAAAAAAAAAAAAAAAAAAAAAAAAAAAAAAAABQAAAAAAAAAwMD/AAAAAABkAAAAMgAAAAAAAABkAAAAAAAAAH9/fwAKAAAAHwAAAFQAAABPgb0F////AQAAAAAAAAAAAAAAAAAAAAAAAAAAAAAAAAAAAAAAAAAAAAAAAn9/fwDu7OEDzMzMAMDA/wB/f38AAAAAAAAAAAAAAAAAAAAAAAAAAAAhAAAAGAAAABQAAADIBQAAyBkAAGg4AAAOHAAAECAAACYAAAAIAAAAAQAAAAAAAAA="/>
+                <pr:smNativeData xmlns:pr="smNativeData" xmlns:p14="http://schemas.microsoft.com/office/powerpoint/2010/main" xmlns="" val="SMDATA_13_ec9PYBMAAAAlAAAAZAAAAE0AAAAAAAAAAAAAAAAAAAAAAAAAAAAAAAAAAAAAAAAAAAEAAABQAAAAAAAAAAAA4D8AAAAAAADgPwAAAAAAAOA/AAAAAAAA4D8AAAAAAADgPwAAAAAAAOA/AAAAAAAA4D8AAAAAAADgPwAAAAAAAOA/AAAAAAAA4D8CAAAAjAAAAAAAAAAAAAAAT4G9DP///wgAAAAAAAAAAAAAAAAAAAAAAAAAAAAAAAAAAAAAZAAAAAEAAABAAAAAAAAAAAAAAAAAAAAAAAAAAAAAAAAAAAAAAAAAAAAAAAAAAAAAAAAAAAAAAAAAAAAAAAAAAAAAAAAAAAAAAAAAAAAAAAAAAAAAAAAAAAAAAAAAAAAAFAAAADwAAAAAAAAAAAAAAAAAAAkUAAAAAQAAABQAAAAUAAAAFAAAAAEAAAAAAAAAZAAAAGQAAAAAAAAAZAAAAGQAAAAVAAAAYAAAAAAAAAAAAAAADwAAACADAAAAAAAAAAAAAAEAAACgMgAAVgcAAKr4//8BAAAAf39/AAEAAABkAAAAAAAAABQAAABAHwAAAAAAACYAAAAAAAAAwOD//wAAAAAmAAAAZAAAABYAAABMAAAAAAAAAAAAAAAEAAAAAAAAAAEAAADu7OEKAAAAACgAAAAoAAAAZAAAAGQAAAAAAAAAzMzMAAAAAABQAAAAUAAAAGQAAABkAAAAAAAAABcAAAAUAAAAAAAAAAAAAAD/fwAA/38AAAAAAAAJAAAABAAAAAAAAAAMAAAAEAAAAAAAAAAAAAAAAAAAAAAAAAAeAAAAaAAAAAAAAAAAAAAAAAAAAAAAAAAAAAAAECcAABAnAAAAAAAAAAAAAAAAAAAAAAAAAAAAAAAAAAAAAAAAAAAAABQAAAAAAAAAwMD/AAAAAABkAAAAMgAAAAAAAABkAAAAAAAAAH9/fwAKAAAAHwAAAFQAAABPgb0F////AQAAAAAAAAAAAAAAAAAAAAAAAAAAAAAAAAAAAAAAAAAAAAAAAn9/fwDu7OEDzMzMAMDA/wB/f38AAAAAAAAAAAAAAAAAAAAAAAAAAAAhAAAAGAAAABQAAADIBQAAyBkAAGg4AAAOHAAAECAAACYAAAAIAAAAAQAAAAAAAAA="/>
               </a:ext>
             </a:extLst>
           </p:cNvSpPr>
@@ -4567,18 +4624,11 @@
   <p:clrMapOvr>
     <a:masterClrMapping/>
   </p:clrMapOvr>
-  <p:timing>
-    <p:tnLst>
-      <p:par>
-        <p:cTn id="1" dur="indefinite" restart="never" nodeType="tmRoot"/>
-      </p:par>
-    </p:tnLst>
-  </p:timing>
 </p:sld>
 </file>
 
 <file path=ppt/slides/slide10.xml><?xml version="1.0" encoding="utf-8"?>
-<p:sld xmlns:p="http://schemas.openxmlformats.org/presentationml/2006/main" xmlns:p14="http://schemas.microsoft.com/office/powerpoint/2010/main" xmlns:r="http://schemas.openxmlformats.org/officeDocument/2006/relationships" xmlns:a="http://schemas.openxmlformats.org/drawingml/2006/main">
+<p:sld xmlns:a="http://schemas.openxmlformats.org/drawingml/2006/main" xmlns:r="http://schemas.openxmlformats.org/officeDocument/2006/relationships" xmlns:p="http://schemas.openxmlformats.org/presentationml/2006/main">
   <p:cSld>
     <p:spTree>
       <p:nvGrpSpPr>
@@ -4601,7 +4651,7 @@
             <a:spLocks noGrp="1" noChangeArrowheads="1"/>
             <a:extLst>
               <a:ext uri="smNativeData">
-                <pr:smNativeData xmlns:pr="smNativeData" val="SMDATA_13_ec9PYBMAAAAlAAAAZAAAAE0AAAAAAAAAAAAAAAAAAAAAAAAAAAAAAAAAAAAAAAAAAAEAAABQAAAAAAAAAAAA4D8AAAAAAADgPwAAAAAAAOA/AAAAAAAA4D8AAAAAAADgPwAAAAAAAOA/AAAAAAAA4D8AAAAAAADgPwAAAAAAAOA/AAAAAAAA4D8CAAAAjAAAAAAAAAAAAAAAT4G9DP///wgAAAAAAAAAAAAAAAAAAAAAAAAAAAAAAAAAAAAAZAAAAAEAAABAAAAAAAAAAAAAAAAAAAAAAAAAAAAAAAAAAAAAAAAAAAAAAAAAAAAAAAAAAAAAAAAAAAAAAAAAAAAAAAAAAAAAAAAAAAAAAAAAAAAAAAAAAAAAAAAAAAAAFAAAADwAAAAAAAAAAAAAAAAAAAkUAAAAAQAAABQAAAAUAAAAFAAAAAEAAAAAAAAAZAAAAGQAAAAAAAAAZAAAAGQAAAAVAAAAYAAAAAAAAAAAAAAADwAAACADAAAAAAAAAAAAAAEAAACgMgAAVgcAAKr4//8BAAAAf39/AAEAAABkAAAAAAAAABQAAABAHwAAAAAAACYAAAAAAAAAwOD//wAAAAAmAAAAZAAAABYAAABMAAAAAAAAAAAAAAAEAAAAAAAAAAEAAADu7OEKAAAAACgAAAAoAAAAZAAAAGQAAAAAAAAAzMzMAAAAAABQAAAAUAAAAGQAAABkAAAAAAAAABcAAAAUAAAAAAAAAAAAAAD/fwAA/38AAAAAAAAJAAAABAAAAAAAAAAMAAAAEAAAAAAAAAAAAAAAAAAAAAAAAAAeAAAAaAAAAAAAAAAAAAAAAAAAAAAAAAAAAAAAECcAABAnAAAAAAAAAAAAAAAAAAAAAAAAAAAAAAAAAAAAAAAAAAAAABQAAAAAAAAAwMD/AAAAAABkAAAAMgAAAAAAAABkAAAAAAAAAH9/fwAKAAAAHwAAAFQAAABPgb0F////AQAAAAAAAAAAAAAAAAAAAAAAAAAAAAAAAAAAAAAAAAAAAAAAAn9/fwDu7OEDzMzMAMDA/wB/f38AAAAAAAAAAAAAAAAAAAAAAAAAAAAhAAAAGAAAABQAAADIBQAAiQsAAHpIAACzDwAAECAAACYAAAAIAAAAAAAAAAAAAAA="/>
+                <pr:smNativeData xmlns="" xmlns:p14="http://schemas.microsoft.com/office/powerpoint/2010/main" xmlns:pr="smNativeData" val="SMDATA_13_ec9PYBMAAAAlAAAAZAAAAE0AAAAAAAAAAAAAAAAAAAAAAAAAAAAAAAAAAAAAAAAAAAEAAABQAAAAAAAAAAAA4D8AAAAAAADgPwAAAAAAAOA/AAAAAAAA4D8AAAAAAADgPwAAAAAAAOA/AAAAAAAA4D8AAAAAAADgPwAAAAAAAOA/AAAAAAAA4D8CAAAAjAAAAAAAAAAAAAAAT4G9DP///wgAAAAAAAAAAAAAAAAAAAAAAAAAAAAAAAAAAAAAZAAAAAEAAABAAAAAAAAAAAAAAAAAAAAAAAAAAAAAAAAAAAAAAAAAAAAAAAAAAAAAAAAAAAAAAAAAAAAAAAAAAAAAAAAAAAAAAAAAAAAAAAAAAAAAAAAAAAAAAAAAAAAAFAAAADwAAAAAAAAAAAAAAAAAAAkUAAAAAQAAABQAAAAUAAAAFAAAAAEAAAAAAAAAZAAAAGQAAAAAAAAAZAAAAGQAAAAVAAAAYAAAAAAAAAAAAAAADwAAACADAAAAAAAAAAAAAAEAAACgMgAAVgcAAKr4//8BAAAAf39/AAEAAABkAAAAAAAAABQAAABAHwAAAAAAACYAAAAAAAAAwOD//wAAAAAmAAAAZAAAABYAAABMAAAAAAAAAAAAAAAEAAAAAAAAAAEAAADu7OEKAAAAACgAAAAoAAAAZAAAAGQAAAAAAAAAzMzMAAAAAABQAAAAUAAAAGQAAABkAAAAAAAAABcAAAAUAAAAAAAAAAAAAAD/fwAA/38AAAAAAAAJAAAABAAAAAAAAAAMAAAAEAAAAAAAAAAAAAAAAAAAAAAAAAAeAAAAaAAAAAAAAAAAAAAAAAAAAAAAAAAAAAAAECcAABAnAAAAAAAAAAAAAAAAAAAAAAAAAAAAAAAAAAAAAAAAAAAAABQAAAAAAAAAwMD/AAAAAABkAAAAMgAAAAAAAABkAAAAAAAAAH9/fwAKAAAAHwAAAFQAAABPgb0F////AQAAAAAAAAAAAAAAAAAAAAAAAAAAAAAAAAAAAAAAAAAAAAAAAn9/fwDu7OEDzMzMAMDA/wB/f38AAAAAAAAAAAAAAAAAAAAAAAAAAAAhAAAAGAAAABQAAADIBQAAiQsAAHpIAACpDwAAACAAACYAAAAIAAAAAQAAAAAAAAA="/>
               </a:ext>
             </a:extLst>
           </p:cNvSpPr>
@@ -4609,19 +4659,31 @@
             <p:ph type="title"/>
           </p:nvPr>
         </p:nvSpPr>
-        <p:spPr/>
+        <p:spPr>
+          <a:xfrm>
+            <a:off x="939800" y="1875155"/>
+            <a:ext cx="10841990" cy="670560"/>
+          </a:xfrm>
+        </p:spPr>
         <p:txBody>
           <a:bodyPr/>
           <a:lstStyle/>
           <a:p>
             <a:pPr>
-              <a:defRPr lang="de-de"/>
-            </a:pPr>
-            <a:r>
-              <a:rPr lang="en-gb"/>
-              <a:t>References</a:t>
-            </a:r>
-            <a:endParaRPr lang="en-gb"/>
+              <a:defRPr lang="en-gb"/>
+            </a:pPr>
+            <a:r>
+              <a:rPr dirty="0"/>
+              <a:t>Approach </a:t>
+            </a:r>
+            <a:r>
+              <a:rPr lang="en-GB" dirty="0"/>
+              <a:t>–</a:t>
+            </a:r>
+            <a:r>
+              <a:rPr dirty="0"/>
+              <a:t> Services</a:t>
+            </a:r>
           </a:p>
         </p:txBody>
       </p:sp>
@@ -4632,7 +4694,7 @@
             <a:spLocks noGrp="1" noChangeArrowheads="1"/>
             <a:extLst>
               <a:ext uri="smNativeData">
-                <pr:smNativeData xmlns:pr="smNativeData" val="SMDATA_13_ec9PYBMAAAAlAAAAZAAAAE0AAAAAAAAAAAAAAAAAAAAAAAAAAAAAAAAAAAAAAAAAAAEAAABQAAAAAAAAAAAA4D8AAAAAAADgPwAAAAAAAOA/AAAAAAAA4D8AAAAAAADgPwAAAAAAAOA/AAAAAAAA4D8AAAAAAADgPwAAAAAAAOA/AAAAAAAA4D8CAAAAjAAAAAAAAAAAAAAAT4G9DP///wgAAAAAAAAAAAAAAAAAAAAAAAAAAAAAAAAAAAAAZAAAAAEAAABAAAAAAAAAAAAAAAAAAAAAAAAAAAAAAAAAAAAAAAAAAAAAAAAAAAAAAAAAAAAAAAAAAAAAAAAAAAAAAAAAAAAAAAAAAAAAAAAAAAAAAAAAAAAAAAAAAAAAFAAAADwAAAAAAAAAAAAAAAAAAAkUAAAAAQAAABQAAAAUAAAAFAAAAAEAAAAAAAAAZAAAAGQAAAAAAAAAZAAAAGQAAAAVAAAAYAAAAAAAAAAAAAAADwAAACADAAAAAAAAAAAAAAEAAACgMgAAVgcAAKr4//8BAAAAf39/AAEAAABkAAAAAAAAABQAAABAHwAAAAAAACYAAAAAAAAAwOD//wAAAAAmAAAAZAAAABYAAABMAAAAAAAAAAAAAAAEAAAAAAAAAAEAAADu7OEKAAAAACgAAAAoAAAAZAAAAGQAAAAAAAAAzMzMAAAAAABQAAAAUAAAAGQAAABkAAAAAAAAABcAAAAUAAAAAAAAAAAAAAD/fwAA/38AAAAAAAAJAAAABAAAAAAAAAAMAAAAEAAAAAAAAAAAAAAAAAAAAAAAAAAeAAAAaAAAAAAAAAAAAAAAAAAAAAAAAAAAAAAAECcAABAnAAAAAAAAAAAAAAAAAAAAAAAAAAAAAAAAAAAAAAAAAAAAABQAAAAAAAAAwMD/AAAAAABkAAAAMgAAAAAAAABkAAAAAAAAAH9/fwAKAAAAHwAAAFQAAABPgb0F////AQAAAAAAAAAAAAAAAAAAAAAAAAAAAAAAAAAAAAAAAAAAAAAAAn9/fwDu7OEDzMzMAMDA/wB/f38AAAAAAAAAAAAAAAAAAAAAAAAAAAAhAAAAGAAAABQAAADIBQAAwBIAAKpJAACgOwAAACAAACYAAAAIAAAAAQAAAAAAAAA="/>
+                <pr:smNativeData xmlns="" xmlns:p14="http://schemas.microsoft.com/office/powerpoint/2010/main" xmlns:pr="smNativeData" val="SMDATA_13_ec9PYBMAAAAlAAAAZAAAAE0AAAAAAAAAAAAAAAAAAAAAAAAAAAAAAAAAAAAAAAAAAAEAAABQAAAAAAAAAAAA4D8AAAAAAADgPwAAAAAAAOA/AAAAAAAA4D8AAAAAAADgPwAAAAAAAOA/AAAAAAAA4D8AAAAAAADgPwAAAAAAAOA/AAAAAAAA4D8CAAAAjAAAAAAAAAAAAAAAT4G9DP///wgAAAAAAAAAAAAAAAAAAAAAAAAAAAAAAAAAAAAAZAAAAAEAAABAAAAAAAAAAAAAAAAAAAAAAAAAAAAAAAAAAAAAAAAAAAAAAAAAAAAAAAAAAAAAAAAAAAAAAAAAAAAAAAAAAAAAAAAAAAAAAAAAAAAAAAAAAAAAAAAAAAAAFAAAADwAAAAAAAAAAAAAAAAAAAkUAAAAAQAAABQAAAAUAAAAFAAAAAEAAAAAAAAAZAAAAGQAAAAAAAAAZAAAAGQAAAAVAAAAYAAAAAAAAAAAAAAADwAAACADAAAAAAAAAAAAAAEAAACgMgAAVgcAAKr4//8BAAAAf39/AAEAAABkAAAAAAAAABQAAABAHwAAAAAAACYAAAAAAAAAwOD//wAAAAAmAAAAZAAAABYAAABMAAAAAAAAAAAAAAAEAAAAAAAAAAEAAADu7OEKAAAAACgAAAAoAAAAZAAAAGQAAAAAAAAAzMzMAAAAAABQAAAAUAAAAGQAAABkAAAAAAAAABcAAAAUAAAAAAAAAAAAAAD/fwAA/38AAAAAAAAJAAAABAAAAL4FAAAMAAAAEAAAAAAAAAAAAAAAAAAAAAAAAAAeAAAAaAAAAAAAAAAAAAAAAAAAAAAAAAAAAAAAECcAABAnAAAAAAAAAAAAAAAAAAAAAAAAAAAAAAAAAAAAAAAAAAAAABQAAAAAAAAAwMD/AAAAAABkAAAAMgAAAAAAAABkAAAAAAAAAH9/fwAKAAAAHwAAAFQAAABPgb0F////AQAAAAAAAAAAAAAAAAAAAAAAAAAAAAAAAAAAAAAAAAAAAAAAAn9/fwDu7OEDzMzMAMDA/wB/f38AAAAAAAAAAAAAAAAAAAAAAAAAAAAhAAAAGAAAABQAAADIBQAAwBIAAHpIAACQGwAAACAAACYAAAAIAAAAAYAAAAAAAAA="/>
               </a:ext>
             </a:extLst>
           </p:cNvSpPr>
@@ -4643,281 +4705,7 @@
         <p:spPr>
           <a:xfrm>
             <a:off x="939800" y="3048000"/>
-            <a:ext cx="11035030" cy="6644640"/>
-          </a:xfrm>
-        </p:spPr>
-        <p:txBody>
-          <a:bodyPr/>
-          <a:lstStyle/>
-          <a:p>
-            <a:pPr marL="271780" indent="-271780" algn="just">
-              <a:spcAft>
-                <a:spcPts val="600"/>
-              </a:spcAft>
-              <a:defRPr lang="de-de"/>
-            </a:pPr>
-            <a:r>
-              <a:rPr lang="en-gb" sz="1600"/>
-              <a:t>[1] P. Datta, A. S. Namin, and M. Chatterjee, “A survey of privacy concerns in wearable devices,” in 2018 IEEE International Conference on Big Data (Big Data), IEEE, 2018, pp. 4549–4553.</a:t>
-            </a:r>
-            <a:endParaRPr lang="en-gb" sz="1600"/>
-          </a:p>
-          <a:p>
-            <a:pPr marL="271780" indent="-271780" algn="just">
-              <a:spcAft>
-                <a:spcPts val="600"/>
-              </a:spcAft>
-              <a:defRPr lang="en-gb" sz="1600"/>
-            </a:pPr>
-            <a:r>
-              <a:t>[2] V. G. Motti and K. Caine, “Users’ privacy concerns about wearables,” in International Conference on Financial Cryptography and Data Security, Springer, 2015, pp. 231–244.</a:t>
-            </a:r>
-          </a:p>
-          <a:p>
-            <a:pPr marL="271780" indent="-271780" algn="just">
-              <a:spcAft>
-                <a:spcPts val="600"/>
-              </a:spcAft>
-              <a:defRPr lang="en-gb" sz="1600"/>
-            </a:pPr>
-            <a:r>
-              <a:t>[3] D. Dobbelstein, P. Henzler, and E. Rukzio, “Unconstrained pedestrian navigation based on vibro-tactile feedback around the wristband of a smartwatch,” in Proceedings of the 2016 CHI Conference Extended Abstracts on Human Factors in Computing Systems, 2016, pp. 2439–2445.</a:t>
-            </a:r>
-          </a:p>
-          <a:p>
-            <a:pPr marL="271780" indent="-271780" algn="just">
-              <a:spcAft>
-                <a:spcPts val="600"/>
-              </a:spcAft>
-              <a:defRPr lang="en-gb" sz="1600"/>
-            </a:pPr>
-            <a:r>
-              <a:t>[4] S. Goodman, S. Kirchner, R. Guttman, D. Jain, J. Froehlich, and L. Findlater, “Evaluating smartwatch-based sound feedback for deaf and hard-of-hearing users across contexts,” in Proceedings of the 2020 CHI Conference on Human Factors in Computing Systems, 2020, pp. 1–13.</a:t>
-            </a:r>
-          </a:p>
-          <a:p>
-            <a:pPr marL="271780" indent="-271780" algn="just">
-              <a:spcAft>
-                <a:spcPts val="600"/>
-              </a:spcAft>
-              <a:defRPr lang="en-gb" sz="1600"/>
-            </a:pPr>
-            <a:r>
-              <a:t>[5] J. Lee, Y. Song, J. Oh, Y. Chee, C. Ahn, H. Shin, H. Kang, and T. H. Lim, “Smartwatch feedback device for high-qualit chest compressions by a single rescuer during infant cardiac arrest: A randomized, controlled simulation study,” European Journal of Emergency Medicine, vol. 26, no. 4, p. 266, 2019.</a:t>
-            </a:r>
-          </a:p>
-          <a:p>
-            <a:pPr marL="271780" indent="-271780" algn="just">
-              <a:spcAft>
-                <a:spcPts val="600"/>
-              </a:spcAft>
-              <a:defRPr lang="en-gb" sz="1600"/>
-            </a:pPr>
-            <a:r>
-              <a:t>[6] M. Williams, J. R. Nurse, and S. Creese, “(smart) watch out! encouraging privacy-protective behavior through interactive games,” International Journal of Human-Computer Studies, vol. 132, pp. 121–137, 2019. </a:t>
-            </a:r>
-          </a:p>
-          <a:p>
-            <a:pPr marL="271780" indent="-271780" algn="just">
-              <a:spcAft>
-                <a:spcPts val="600"/>
-              </a:spcAft>
-              <a:defRPr lang="en-gb" sz="1600"/>
-            </a:pPr>
-            <a:r>
-              <a:t>[7] S. Patil, R. Hoyle, R. Schlegel, A. Kapadia, and A. J. Lee, “Interrupt now or inform later? comparing immediate and delayed privacy feedback,” in Proceedings of the 33rd Annual ACM Conference on Human Factors in Computing Systems, 2015, pp. 1415–1418.</a:t>
-            </a:r>
-          </a:p>
-          <a:p>
-            <a:pPr marL="271780" indent="-271780" algn="just">
-              <a:spcAft>
-                <a:spcPts val="600"/>
-              </a:spcAft>
-              <a:defRPr lang="en-gb" sz="1600"/>
-            </a:pPr>
-            <a:r>
-              <a:t>[8] E. S. Udoh and A. Alkharashi, “Privacy risk awareness and the behavior of smartwatch users: A case study of indiana university students,” in 2016 Future Technologies Conference (FTC), IEEE, 2016, pp. 926–931.</a:t>
-            </a:r>
-          </a:p>
-          <a:p>
-            <a:pPr marL="271780" indent="-271780" algn="just">
-              <a:spcAft>
-                <a:spcPts val="600"/>
-              </a:spcAft>
-              <a:defRPr lang="en-gb" sz="1600"/>
-            </a:pPr>
-          </a:p>
-          <a:p>
-            <a:pPr marL="271780" indent="-271780" algn="just">
-              <a:spcAft>
-                <a:spcPts val="600"/>
-              </a:spcAft>
-              <a:defRPr lang="de-de"/>
-            </a:pPr>
-          </a:p>
-          <a:p>
-            <a:pPr marL="271780" indent="-271780" algn="l">
-              <a:defRPr lang="de-de"/>
-            </a:pPr>
-            <a:endParaRPr lang="en-gb" sz="1400"/>
-          </a:p>
-          <a:p>
-            <a:pPr marL="271780" indent="-271780" algn="l">
-              <a:defRPr lang="de-de"/>
-            </a:pPr>
-            <a:endParaRPr lang="en-gb" sz="1400"/>
-          </a:p>
-          <a:p>
-            <a:pPr algn="l">
-              <a:defRPr lang="de-de"/>
-            </a:pPr>
-            <a:endParaRPr lang="en-gb" sz="1400"/>
-          </a:p>
-        </p:txBody>
-      </p:sp>
-      <p:sp>
-        <p:nvSpPr>
-          <p:cNvPr id="4" name="Espace réservé de la date 4"/>
-          <p:cNvSpPr>
-            <a:spLocks noGrp="1" noChangeArrowheads="1"/>
-            <a:extLst>
-              <a:ext uri="smNativeData">
-                <pr:smNativeData xmlns:pr="smNativeData" val="SMDATA_13_ec9PYBMAAAAlAAAAZAAAAA0AAAAAAAAAAAAAAAAAAAAAAAAAAAAAAAAAAAAAAAAAAAEAAABQAAAAAAAAAAAA4D8AAAAAAADgPwAAAAAAAOA/AAAAAAAA4D8AAAAAAADgPwAAAAAAAOA/AAAAAAAA4D8AAAAAAADgPwAAAAAAAOA/AAAAAAAA4D8CAAAAjAAAAAAAAAAAAAAAT4G9DP///wgAAAAAAAAAAAAAAAAAAAAAAAAAAAAAAAAAAAAAZAAAAAEAAABAAAAAAAAAAAAAAAAAAAAAAAAAAAAAAAAAAAAAAAAAAAAAAAAAAAAAAAAAAAAAAAAAAAAAAAAAAAAAAAAAAAAAAAAAAAAAAAAAAAAAAAAAAAAAAAAAAAAAFAAAADwAAAAAAAAAAAAAAAAAAAkUAAAAAQAAABQAAAAUAAAAFAAAAAEAAAAAAAAAZAAAAGQAAAAAAAAAZAAAAGQAAAAVAAAAYAAAAAAAAAAAAAAADwAAACADAAAAAAAAAAAAAAEAAACgMgAAVgcAAKr4//8BAAAAf39/AAEAAABkAAAAAAAAABQAAABAHwAAAAAAACYAAAAAAAAAwOD//wAAAAAmAAAAZAAAABYAAABMAAAAAAAAAAAAAAAEAAAAAAAAAAEAAADu7OEKAAAAACgAAAAoAAAAZAAAAGQAAAAAAAAAzMzMAAAAAABQAAAAUAAAAGQAAABkAAAAAAAAABcAAAAUAAAAAAAAAAAAAAD/fwAA/38AAAAAAAAJAAAABAAAAAAAAAAMAAAAEAAAAAAAAAAAAAAAAAAAAAAAAAAeAAAAaAAAAAAAAAAAAAAAAAAAAAAAAAAAAAAAECcAABAnAAAAAAAAAAAAAAAAAAAAAAAAAAAAAAAAAAAAAAAAAAAAABQAAAAAAAAAwMD/AAAAAABkAAAAMgAAAAAAAABkAAAAAAAAAH9/fwAKAAAAHwAAAFQAAABPgb0F////AQAAAAAAAAAAAAAAAAAAAAAAAAAAAAAAAAAAAAAAAAAAAAAAAn9/fwDu7OEDzMzMAMDA/wB/f38AAAAAAAAAAAAAAAAAAAAAAAAAAAAhAAAAGAAAABQAAADqAQAA4DgAAPAKAACYOgAAEAAAACYAAAAIAAAAAQAAAAAAAAA="/>
-              </a:ext>
-            </a:extLst>
-          </p:cNvSpPr>
-          <p:nvPr>
-            <p:ph type="dt" sz="half" idx="2"/>
-          </p:nvPr>
-        </p:nvSpPr>
-        <p:spPr>
-          <a:xfrm>
-            <a:off x="311150" y="9245600"/>
-            <a:ext cx="1466850" cy="279400"/>
-          </a:xfrm>
-        </p:spPr>
-        <p:txBody>
-          <a:bodyPr/>
-          <a:lstStyle/>
-          <a:p>
-            <a:pPr>
-              <a:defRPr lang="de-de"/>
-            </a:pPr>
-            <a:r>
-              <a:t>26.03.2021</a:t>
-            </a:r>
-          </a:p>
-        </p:txBody>
-      </p:sp>
-      <p:sp>
-        <p:nvSpPr>
-          <p:cNvPr id="5" name="Espace réservé du numéro de diapositive 5"/>
-          <p:cNvSpPr>
-            <a:spLocks noGrp="1" noChangeArrowheads="1"/>
-            <a:extLst>
-              <a:ext uri="smNativeData">
-                <pr:smNativeData xmlns:pr="smNativeData" val="SMDATA_13_ec9PYBMAAAAlAAAAZAAAAA0AAAAAAAAAAAAAAAAAAAAAAAAAAAAAAAAAAAAAAAAAAAEAAABQAAAAAAAAAAAA4D8AAAAAAADgPwAAAAAAAOA/AAAAAAAA4D8AAAAAAADgPwAAAAAAAOA/AAAAAAAA4D8AAAAAAADgPwAAAAAAAOA/AAAAAAAA4D8CAAAAjAAAAAAAAAAAAAAAT4G9DP///wgAAAAAAAAAAAAAAAAAAAAAAAAAAAAAAAAAAAAAZAAAAAEAAABAAAAAAAAAAAAAAAAAAAAAAAAAAAAAAAAAAAAAAAAAAAAAAAAAAAAAAAAAAAAAAAAAAAAAAAAAAAAAAAAAAAAAAAAAAAAAAAAAAAAAAAAAAAAAAAAAAAAAFAAAADwAAAAAAAAAAAAAAAAAAAkUAAAAAQAAABQAAAAUAAAAFAAAAAEAAAAAAAAAZAAAAGQAAAAAAAAAZAAAAGQAAAAVAAAAYAAAAAAAAAAAAAAADwAAACADAAAAAAAAAAAAAAEAAACgMgAAVgcAAKr4//8BAAAAf39/AAEAAABkAAAAAAAAABQAAABAHwAAAAAAACYAAAAAAAAAwOD//wAAAAAmAAAAZAAAABYAAABMAAAAAAAAAAAAAAAEAAAAAAAAAAEAAADu7OEKAAAAACgAAAAoAAAAZAAAAGQAAAAAAAAAzMzMAAAAAABQAAAAUAAAAGQAAABkAAAAAAAAABcAAAAUAAAAAAAAAAAAAAD/fwAA/38AAAAAAAAJAAAABAAAAAAAAAAMAAAAEAAAAAAAAAAAAAAAAAAAAAAAAAAeAAAAaAAAAAAAAAAAAAAAAAAAAAAAAAAAAAAAECcAABAnAAAAAAAAAAAAAAAAAAAAAAAAAAAAAAAAAAAAAAAAAAAAABQAAAAAAAAAwMD/AAAAAABkAAAAMgAAAAAAAABkAAAAAAAAAH9/fwAKAAAAHwAAAFQAAABPgb0F////AQAAAAAAAAAAAAAAAAAAAAAAAAAAAAAAAAAAAAAAAAAAAAAAAn9/fwDu7OEDzMzMAMDA/wB/f38AAAAAAAAAAAAAAAAAAAAAAAAAAAAhAAAAGAAAABQAAADQSAAAGDkAABZOAACYOgAAEAAAACYAAAAIAAAAAAAAAAAAAAA="/>
-              </a:ext>
-            </a:extLst>
-          </p:cNvSpPr>
-          <p:nvPr>
-            <p:ph type="sldNum" sz="quarter" idx="4"/>
-          </p:nvPr>
-        </p:nvSpPr>
-        <p:spPr/>
-        <p:txBody>
-          <a:bodyPr/>
-          <a:lstStyle/>
-          <a:p>
-            <a:pPr>
-              <a:defRPr lang="de-de"/>
-            </a:pPr>
-            <a:fld id="{65E18926-6888-B47F-C659-9E2AC71730CB}" type="slidenum">
-              <a:t>10</a:t>
-            </a:fld>
-          </a:p>
-        </p:txBody>
-      </p:sp>
-    </p:spTree>
-  </p:cSld>
-  <p:clrMapOvr>
-    <a:masterClrMapping/>
-  </p:clrMapOvr>
-  <p:timing>
-    <p:tnLst>
-      <p:par>
-        <p:cTn id="1" dur="indefinite" restart="never" nodeType="tmRoot"/>
-      </p:par>
-    </p:tnLst>
-  </p:timing>
-</p:sld>
-</file>
-
-<file path=ppt/slides/slide2.xml><?xml version="1.0" encoding="utf-8"?>
-<p:sld xmlns:p="http://schemas.openxmlformats.org/presentationml/2006/main" xmlns:p14="http://schemas.microsoft.com/office/powerpoint/2010/main" xmlns:r="http://schemas.openxmlformats.org/officeDocument/2006/relationships" xmlns:a="http://schemas.openxmlformats.org/drawingml/2006/main">
-  <p:cSld>
-    <p:spTree>
-      <p:nvGrpSpPr>
-        <p:cNvPr id="1" name=""/>
-        <p:cNvGrpSpPr/>
-        <p:nvPr/>
-      </p:nvGrpSpPr>
-      <p:grpSpPr>
-        <a:xfrm>
-          <a:off x="0" y="0"/>
-          <a:ext cx="0" cy="0"/>
-          <a:chOff x="0" y="0"/>
-          <a:chExt cx="0" cy="0"/>
-        </a:xfrm>
-      </p:grpSpPr>
-      <p:sp>
-        <p:nvSpPr>
-          <p:cNvPr id="2" name="object 62"/>
-          <p:cNvSpPr>
-            <a:spLocks noGrp="1" noChangeArrowheads="1"/>
-            <a:extLst>
-              <a:ext uri="smNativeData">
-                <pr:smNativeData xmlns:pr="smNativeData" val="SMDATA_13_ec9PYBMAAAAlAAAAZAAAAE0AAAAAAAAAAAAAAAAAAAAAAAAAAAAAAAAAAAAAAAAAAAEAAABQAAAAAAAAAAAA4D8AAAAAAADgPwAAAAAAAOA/AAAAAAAA4D8AAAAAAADgPwAAAAAAAOA/AAAAAAAA4D8AAAAAAADgPwAAAAAAAOA/AAAAAAAA4D8CAAAAjAAAAAAAAAAAAAAAT4G9DP///wgAAAAAAAAAAAAAAAAAAAAAAAAAAAAAAAAAAAAAZAAAAAEAAABAAAAAAAAAAAAAAAAAAAAAAAAAAAAAAAAAAAAAAAAAAAAAAAAAAAAAAAAAAAAAAAAAAAAAAAAAAAAAAAAAAAAAAAAAAAAAAAAAAAAAAAAAAAAAAAAAAAAAFAAAADwAAAAAAAAAAAAAAAAAAAkUAAAAAQAAABQAAAAUAAAAFAAAAAEAAAAAAAAAZAAAAGQAAAAAAAAAZAAAAGQAAAAVAAAAYAAAAAAAAAAAAAAADwAAACADAAAAAAAAAAAAAAEAAACgMgAAVgcAAKr4//8BAAAAf39/AAEAAABkAAAAAAAAABQAAABAHwAAAAAAACYAAAAAAAAAwOD//wAAAAAmAAAAZAAAABYAAABMAAAAAAAAAAAAAAAEAAAAAAAAAAEAAADu7OEKAAAAACgAAAAoAAAAZAAAAGQAAAAAAAAAzMzMAAAAAABQAAAAUAAAAGQAAABkAAAAAAAAABcAAAAUAAAAAAAAAAAAAAD/fwAA/38AAAAAAAAJAAAABAAAAIMAAAAMAAAAEAAAAAAAAAAAAAAAAAAAAAAAAAAeAAAAaAAAAAAAAAAAAAAAAAAAAAAAAAAAAAAAECcAABAnAAAAAAAAAAAAAAAAAAAAAAAAAAAAAAAAAAAAAAAAAAAAABQAAAAAAAAAwMD/AAAAAABkAAAAMgAAAAAAAABkAAAAAAAAAH9/fwAKAAAAHwAAAFQAAABPgb0F////AQAAAAAAAAAAAAAAAAAAAAAAAAAAAAAAAAAAAAAAAAAAAAAAAn9/fwDu7OEDzMzMAMDA/wB/f38AAAAAAAAAAAAAAAAAAAAAAAAAAAAhAAAAGAAAABQAAADIBQAAiQsAAHpIAACzDwAAECAAACYAAAAIAAAAAAAAAAAAAAA="/>
-              </a:ext>
-            </a:extLst>
-          </p:cNvSpPr>
-          <p:nvPr>
-            <p:ph type="title"/>
-          </p:nvPr>
-        </p:nvSpPr>
-        <p:spPr/>
-        <p:txBody>
-          <a:bodyPr/>
-          <a:lstStyle/>
-          <a:p>
-            <a:pPr>
-              <a:defRPr lang="de-de"/>
-            </a:pPr>
-            <a:r>
-              <a:t>Summary</a:t>
-            </a:r>
-          </a:p>
-        </p:txBody>
-      </p:sp>
-      <p:sp>
-        <p:nvSpPr>
-          <p:cNvPr id="3" name="object 61"/>
-          <p:cNvSpPr>
-            <a:spLocks noGrp="1" noChangeArrowheads="1"/>
-            <a:extLst>
-              <a:ext uri="smNativeData">
-                <pr:smNativeData xmlns:pr="smNativeData" val="SMDATA_13_ec9PYBMAAAAlAAAAZAAAAE0AAAAAAAAAAAAAAAAAAAAAAAAAAAAAAAAAAAAAAAAAAAEAAABQAAAAAAAAAAAA4D8AAAAAAADgPwAAAAAAAOA/AAAAAAAA4D8AAAAAAADgPwAAAAAAAOA/AAAAAAAA4D8AAAAAAADgPwAAAAAAAOA/AAAAAAAA4D8CAAAAjAAAAAAAAAAAAAAAT4G9DP///wgAAAAAAAAAAAAAAAAAAAAAAAAAAAAAAAAAAAAAZAAAAAEAAABAAAAAAAAAAAAAAAAAAAAAAAAAAAAAAAAAAAAAAAAAAAAAAAAAAAAAAAAAAAAAAAAAAAAAAAAAAAAAAAAAAAAAAAAAAAAAAAAAAAAAAAAAAAAAAAAAAAAAFAAAADwAAAAAAAAAAAAAAAAAAAkUAAAAAQAAABQAAAAUAAAAFAAAAAEAAAAAAAAAZAAAAGQAAAAAAAAAZAAAAGQAAAAVAAAAYAAAAAAAAAAAAAAADwAAACADAAAAAAAAAAAAAAEAAACgMgAAVgcAAKr4//8BAAAAf39/AAEAAABkAAAAAAAAABQAAABAHwAAAAAAACYAAAAAAAAAwOD//wAAAAAmAAAAZAAAABYAAABMAAAAAAAAAAAAAAAEAAAAAAAAAAEAAADu7OEKAAAAACgAAAAoAAAAZAAAAGQAAAAAAAAAzMzMAAAAAABQAAAAUAAAAGQAAABkAAAAAAAAABcAAAAUAAAAAAAAAAAAAAD/fwAA/38AAAAAAAAJAAAABAAAAOwEAAAMAAAAEAAAAAAAAAAAAAAAAAAAAAAAAAAeAAAAaAAAAAAAAAAAAAAAAAAAAAAAAAAAAAAAECcAABAnAAAAAAAAAAAAAAAAAAAAAAAAAAAAAAAAAAAAAAAAAAAAABQAAAAAAAAAwMD/AAAAAABkAAAAMgAAAAAAAABkAAAAAAAAAH9/fwAKAAAAHwAAAFQAAABPgb0F////AQAAAAAAAAAAAAAAAAAAAAAAAAAAAAAAAAAAAAAAAAAAAAAAAn9/fwDu7OEDzMzMAMDA/wB/f38AAAAAAAAAAAAAAAAAAAAAAAAAAAAhAAAAGAAAABQAAADIBQAAwBIAAHpIAAAwLQAAACAAACYAAAAIAAAAAYAAAAAAAAA="/>
-              </a:ext>
-            </a:extLst>
-          </p:cNvSpPr>
-          <p:nvPr>
-            <p:ph type="body" idx="1"/>
-          </p:nvPr>
-        </p:nvSpPr>
-        <p:spPr>
-          <a:xfrm>
-            <a:off x="939800" y="3048000"/>
-            <a:ext cx="10841990" cy="4297680"/>
+            <a:ext cx="10841990" cy="1432560"/>
           </a:xfrm>
         </p:spPr>
         <p:txBody>
@@ -4934,7 +4722,7 @@
                 <a:schemeClr val="accent1"/>
               </a:buClr>
               <a:buSzPts val="2910"/>
-              <a:buFont typeface="Wingdings" pitchFamily="0" charset="0"/>
+              <a:buFont typeface="Wingdings" charset="0"/>
               <a:buChar char="§"/>
               <a:tabLst/>
               <a:defRPr lang="de-de" sz="2800" b="0" i="0" baseline="0">
@@ -4965,7 +4753,7 @@
               <a:lnSpc>
                 <a:spcPct val="150000"/>
               </a:lnSpc>
-              <a:buFont typeface="Wingdings" pitchFamily="0" charset="0"/>
+              <a:buFont typeface="Wingdings" charset="0"/>
               <a:buChar char="§"/>
               <a:defRPr lang="de-de" sz="2000" b="0" i="0" baseline="0">
                 <a:solidFill>
@@ -4996,73 +4784,90 @@
             </a:lvl9pPr>
           </a:lstStyle>
           <a:p>
-            <a:pPr defTabSz="360045">
-              <a:tabLst/>
-              <a:defRPr lang="de-de"/>
-            </a:pPr>
-            <a:r>
-              <a:rPr lang="en-us"/>
-              <a:t>Introduction</a:t>
-            </a:r>
-            <a:endParaRPr lang="en-us"/>
-          </a:p>
-          <a:p>
-            <a:pPr defTabSz="360045">
-              <a:tabLst/>
-              <a:defRPr lang="en-us"/>
-            </a:pPr>
-            <a:r>
-              <a:t>Foundations</a:t>
-            </a:r>
-          </a:p>
-          <a:p>
-            <a:pPr defTabSz="360045">
-              <a:tabLst/>
-              <a:defRPr lang="en-us"/>
-            </a:pPr>
-            <a:r>
-              <a:t>Related Work</a:t>
-            </a:r>
-          </a:p>
-          <a:p>
-            <a:pPr defTabSz="360045">
-              <a:tabLst/>
-              <a:defRPr lang="en-us"/>
-            </a:pPr>
-            <a:r>
-              <a:t>Approach</a:t>
-            </a:r>
-          </a:p>
-          <a:p>
-            <a:pPr defTabSz="360045">
-              <a:tabLst/>
-              <a:defRPr lang="en-us"/>
-            </a:pPr>
-            <a:r>
-              <a:t>Discussion</a:t>
-            </a:r>
-          </a:p>
-          <a:p>
-            <a:pPr defTabSz="360045">
-              <a:tabLst/>
-              <a:defRPr lang="de-de"/>
-            </a:pPr>
-            <a:r>
-              <a:rPr lang="en-us"/>
-              <a:t>Conclusion</a:t>
-            </a:r>
-            <a:endParaRPr lang="en-us"/>
-          </a:p>
-        </p:txBody>
-      </p:sp>
-      <p:sp>
-        <p:nvSpPr>
-          <p:cNvPr id="4" name="Datumsplatzhalter 111"/>
+            <a:pPr>
+              <a:defRPr lang="de-de" b="0"/>
+            </a:pPr>
+            <a:r>
+              <a:rPr dirty="0"/>
+              <a:t>Human activity services:</a:t>
+            </a:r>
+          </a:p>
+          <a:p>
+            <a:pPr lvl="1">
+              <a:defRPr lang="de-de" b="0"/>
+            </a:pPr>
+            <a:r>
+              <a:rPr lang="de-DE" dirty="0"/>
+              <a:t>Health – Heart rate monitor</a:t>
+            </a:r>
+          </a:p>
+          <a:p>
+            <a:pPr lvl="1">
+              <a:defRPr lang="de-de" b="0"/>
+            </a:pPr>
+            <a:r>
+              <a:rPr lang="de-DE" dirty="0"/>
+              <a:t>Location – GPS </a:t>
+            </a:r>
+          </a:p>
+          <a:p>
+            <a:pPr lvl="1">
+              <a:defRPr lang="de-de" b="0"/>
+            </a:pPr>
+            <a:r>
+              <a:rPr lang="de-DE" dirty="0"/>
+              <a:t>Activity – Pedometer</a:t>
+            </a:r>
+            <a:endParaRPr dirty="0"/>
+          </a:p>
+          <a:p>
+            <a:pPr>
+              <a:defRPr lang="de-de" b="0"/>
+            </a:pPr>
+            <a:r>
+              <a:rPr lang="de-DE" dirty="0"/>
+              <a:t>Privacy permission service</a:t>
+            </a:r>
+            <a:endParaRPr dirty="0"/>
+          </a:p>
+          <a:p>
+            <a:pPr>
+              <a:defRPr lang="de-de"/>
+            </a:pPr>
+            <a:r>
+              <a:rPr lang="en-gb" dirty="0"/>
+              <a:t>Random sensing service</a:t>
+            </a:r>
+          </a:p>
+          <a:p>
+            <a:pPr>
+              <a:defRPr lang="de-de"/>
+            </a:pPr>
+            <a:r>
+              <a:rPr lang="en-GB" dirty="0"/>
+              <a:t>Message port service</a:t>
+            </a:r>
+          </a:p>
+          <a:p>
+            <a:pPr>
+              <a:defRPr lang="de-de"/>
+            </a:pPr>
+            <a:r>
+              <a:rPr lang="en-GB" dirty="0"/>
+              <a:t>Feedback service</a:t>
+            </a:r>
+            <a:endParaRPr lang="en-gb" dirty="0"/>
+          </a:p>
+        </p:txBody>
+      </p:sp>
+      <p:sp>
+        <p:nvSpPr>
+          <p:cNvPr id="4" name="Espace réservé de la date 4"/>
           <p:cNvSpPr>
             <a:spLocks noGrp="1" noChangeArrowheads="1"/>
             <a:extLst>
               <a:ext uri="smNativeData">
-                <pr:smNativeData xmlns:pr="smNativeData" val="SMDATA_13_ec9PYBMAAAAlAAAAZAAAAA0AAAAAAAAAAAAAAAAAAAAAAAAAAAAAAAAAAAAAAAAAAAEAAABQAAAAAAAAAAAA4D8AAAAAAADgPwAAAAAAAOA/AAAAAAAA4D8AAAAAAADgPwAAAAAAAOA/AAAAAAAA4D8AAAAAAADgPwAAAAAAAOA/AAAAAAAA4D8CAAAAjAAAAAAAAAAAAAAAT4G9DP///wgAAAAAAAAAAAAAAAAAAAAAAAAAAAAAAAAAAAAAZAAAAAEAAABAAAAAAAAAAAAAAAAAAAAAAAAAAAAAAAAAAAAAAAAAAAAAAAAAAAAAAAAAAAAAAAAAAAAAAAAAAAAAAAAAAAAAAAAAAAAAAAAAAAAAAAAAAAAAAAAAAAAAFAAAADwAAAAAAAAAAAAAAAAAAAkUAAAAAQAAABQAAAAUAAAAFAAAAAEAAAAAAAAAZAAAAGQAAAAAAAAAZAAAAGQAAAAVAAAAYAAAAAAAAAAAAAAADwAAACADAAAAAAAAAAAAAAEAAACgMgAAVgcAAKr4//8BAAAAf39/AAEAAABkAAAAAAAAABQAAABAHwAAAAAAACYAAAAAAAAAwOD//wAAAAAmAAAAZAAAABYAAABMAAAAAAAAAAAAAAAEAAAAAAAAAAEAAADu7OEKAAAAACgAAAAoAAAAZAAAAGQAAAAAAAAAzMzMAAAAAABQAAAAUAAAAGQAAABkAAAAAAAAABcAAAAUAAAAAAAAAAAAAAD/fwAA/38AAAAAAAAJAAAABAAAAIwXAAAMAAAAEAAAAAAAAAAAAAAAAAAAAAAAAAAeAAAAaAAAAAAAAAAAAAAAAAAAAAAAAAAAAAAAECcAABAnAAAAAAAAAAAAAAAAAAAAAAAAAAAAAAAAAAAAAAAAAAAAABQAAAAAAAAAwMD/AAAAAABkAAAAMgAAAAAAAABkAAAAAAAAAH9/fwAKAAAAHwAAAFQAAABPgb0F////AQAAAAAAAAAAAAAAAAAAAAAAAAAAAAAAAAAAAAAAAAAAAAAAAn9/fwDu7OEDzMzMAMDA/wB/f38AAAAAAAAAAAAAAAAAAAAAAAAAAAAhAAAAGAAAABQAAADqAQAA4DgAAPAKAACYOgAAEAAAACYAAAAIAAAAAQAAAAAAAAA="/>
+                <pr:smNativeData xmlns="" xmlns:p14="http://schemas.microsoft.com/office/powerpoint/2010/main" xmlns:pr="smNativeData" val="SMDATA_13_ec9PYBMAAAAlAAAAZAAAAA0AAAAAAAAAAAAAAAAAAAAAAAAAAAAAAAAAAAAAAAAAAAEAAABQAAAAAAAAAAAA4D8AAAAAAADgPwAAAAAAAOA/AAAAAAAA4D8AAAAAAADgPwAAAAAAAOA/AAAAAAAA4D8AAAAAAADgPwAAAAAAAOA/AAAAAAAA4D8CAAAAjAAAAAAAAAAAAAAAT4G9DP///wgAAAAAAAAAAAAAAAAAAAAAAAAAAAAAAAAAAAAAZAAAAAEAAABAAAAAAAAAAAAAAAAAAAAAAAAAAAAAAAAAAAAAAAAAAAAAAAAAAAAAAAAAAAAAAAAAAAAAAAAAAAAAAAAAAAAAAAAAAAAAAAAAAAAAAAAAAAAAAAAAAAAAFAAAADwAAAAAAAAAAAAAAAAAAAkUAAAAAQAAABQAAAAUAAAAFAAAAAEAAAAAAAAAZAAAAGQAAAAAAAAAZAAAAGQAAAAVAAAAYAAAAAAAAAAAAAAADwAAACADAAAAAAAAAAAAAAEAAACgMgAAVgcAAKr4//8BAAAAf39/AAEAAABkAAAAAAAAABQAAABAHwAAAAAAACYAAAAAAAAAwOD//wAAAAAmAAAAZAAAABYAAABMAAAAAAAAAAAAAAAEAAAAAAAAAAEAAADu7OEKAAAAACgAAAAoAAAAZAAAAGQAAAAAAAAAzMzMAAAAAABQAAAAUAAAAGQAAABkAAAAAAAAABcAAAAUAAAAAAAAAAAAAAD/fwAA/38AAAAAAAAJAAAABAAAAGwAAAAMAAAAEAAAAAAAAAAAAAAAAAAAAAAAAAAeAAAAaAAAAAAAAAAAAAAAAAAAAAAAAAAAAAAAECcAABAnAAAAAAAAAAAAAAAAAAAAAAAAAAAAAAAAAAAAAAAAAAAAABQAAAAAAAAAwMD/AAAAAABkAAAAMgAAAAAAAABkAAAAAAAAAH9/fwAKAAAAHwAAAFQAAABPgb0F////AQAAAAAAAAAAAAAAAAAAAAAAAAAAAAAAAAAAAAAAAAAAAAAAAn9/fwDu7OEDzMzMAMDA/wB/f38AAAAAAAAAAAAAAAAAAAAAAAAAAAAhAAAAGAAAABQAAADqAQAA4DgAAPAKAACYOgAAEAAAACYAAAAIAAAAAQAAAAAAAAA="/>
               </a:ext>
             </a:extLst>
           </p:cNvSpPr>
@@ -5091,12 +4896,12 @@
       </p:sp>
       <p:sp>
         <p:nvSpPr>
-          <p:cNvPr id="5" name="Foliennummernplatzhalter 112"/>
+          <p:cNvPr id="5" name="Espace réservé du numéro de diapositive 5"/>
           <p:cNvSpPr>
             <a:spLocks noGrp="1" noChangeArrowheads="1"/>
             <a:extLst>
               <a:ext uri="smNativeData">
-                <pr:smNativeData xmlns:pr="smNativeData" val="SMDATA_13_ec9PYBMAAAAlAAAAZAAAAA0AAAAAAAAAAAAAAAAAAAAAAAAAAAAAAAAAAAAAAAAAAAEAAABQAAAAAAAAAAAA4D8AAAAAAADgPwAAAAAAAOA/AAAAAAAA4D8AAAAAAADgPwAAAAAAAOA/AAAAAAAA4D8AAAAAAADgPwAAAAAAAOA/AAAAAAAA4D8CAAAAjAAAAAAAAAAAAAAAT4G9DP///wgAAAAAAAAAAAAAAAAAAAAAAAAAAAAAAAAAAAAAZAAAAAEAAABAAAAAAAAAAAAAAAAAAAAAAAAAAAAAAAAAAAAAAAAAAAAAAAAAAAAAAAAAAAAAAAAAAAAAAAAAAAAAAAAAAAAAAAAAAAAAAAAAAAAAAAAAAAAAAAAAAAAAFAAAADwAAAAAAAAAAAAAAAAAAAkUAAAAAQAAABQAAAAUAAAAFAAAAAEAAAAAAAAAZAAAAGQAAAAAAAAAZAAAAGQAAAAVAAAAYAAAAAAAAAAAAAAADwAAACADAAAAAAAAAAAAAAEAAACgMgAAVgcAAKr4//8BAAAAf39/AAEAAABkAAAAAAAAABQAAABAHwAAAAAAACYAAAAAAAAAwOD//wAAAAAmAAAAZAAAABYAAABMAAAAAAAAAAAAAAAEAAAAAAAAAAEAAADu7OEKAAAAACgAAAAoAAAAZAAAAGQAAAAAAAAAzMzMAAAAAABQAAAAUAAAAGQAAABkAAAAAAAAABcAAAAUAAAAAAAAAAAAAAD/fwAA/38AAAAAAAAJAAAABAAAAGYSAAAMAAAAEAAAAAAAAAAAAAAAAAAAAAAAAAAeAAAAaAAAAAAAAAAAAAAAAAAAAAAAAAAAAAAAECcAABAnAAAAAAAAAAAAAAAAAAAAAAAAAAAAAAAAAAAAAAAAAAAAABQAAAAAAAAAwMD/AAAAAABkAAAAMgAAAAAAAABkAAAAAAAAAH9/fwAKAAAAHwAAAFQAAABPgb0F////AQAAAAAAAAAAAAAAAAAAAAAAAAAAAAAAAAAAAAAAAAAAAAAAAn9/fwDu7OEDzMzMAMDA/wB/f38AAAAAAAAAAAAAAAAAAAAAAAAAAAAhAAAAGAAAABQAAADQSAAAGDkAABZOAACYOgAAEAAAACYAAAAIAAAAAAAAAAAAAAA="/>
+                <pr:smNativeData xmlns="" xmlns:p14="http://schemas.microsoft.com/office/powerpoint/2010/main" xmlns:pr="smNativeData" val="SMDATA_13_ec9PYBMAAAAlAAAAZAAAAA0AAAAAAAAAAAAAAAAAAAAAAAAAAAAAAAAAAAAAAAAAAAEAAABQAAAAAAAAAAAA4D8AAAAAAADgPwAAAAAAAOA/AAAAAAAA4D8AAAAAAADgPwAAAAAAAOA/AAAAAAAA4D8AAAAAAADgPwAAAAAAAOA/AAAAAAAA4D8CAAAAjAAAAAAAAAAAAAAAT4G9DP///wgAAAAAAAAAAAAAAAAAAAAAAAAAAAAAAAAAAAAAZAAAAAEAAABAAAAAAAAAAAAAAAAAAAAAAAAAAAAAAAAAAAAAAAAAAAAAAAAAAAAAAAAAAAAAAAAAAAAAAAAAAAAAAAAAAAAAAAAAAAAAAAAAAAAAAAAAAAAAAAAAAAAAFAAAADwAAAAAAAAAAAAAAAAAAAkUAAAAAQAAABQAAAAUAAAAFAAAAAEAAAAAAAAAZAAAAGQAAAAAAAAAZAAAAGQAAAAVAAAAYAAAAAAAAAAAAAAADwAAACADAAAAAAAAAAAAAAEAAACgMgAAVgcAAKr4//8BAAAAf39/AAEAAABkAAAAAAAAABQAAABAHwAAAAAAACYAAAAAAAAAwOD//wAAAAAmAAAAZAAAABYAAABMAAAAAAAAAAAAAAAEAAAAAAAAAAEAAADu7OEKAAAAACgAAAAoAAAAZAAAAGQAAAAAAAAAzMzMAAAAAABQAAAAUAAAAGQAAABkAAAAAAAAABcAAAAUAAAAAAAAAAAAAAD/fwAA/38AAAAAAAAJAAAABAAAAEgDAAAMAAAAEAAAAAAAAAAAAAAAAAAAAAAAAAAeAAAAaAAAAAAAAAAAAAAAAAAAAAAAAAAAAAAAECcAABAnAAAAAAAAAAAAAAAAAAAAAAAAAAAAAAAAAAAAAAAAAAAAABQAAAAAAAAAwMD/AAAAAABkAAAAMgAAAAAAAABkAAAAAAAAAH9/fwAKAAAAHwAAAFQAAABPgb0F////AQAAAAAAAAAAAAAAAAAAAAAAAAAAAAAAAAAAAAAAAAAAAAAAAn9/fwDu7OEDzMzMAMDA/wB/f38AAAAAAAAAAAAAAAAAAAAAAAAAAAAhAAAAGAAAABQAAADQSAAAGDkAABZOAACYOgAAEAAAACYAAAAIAAAAAAAAAAAAAAA="/>
               </a:ext>
             </a:extLst>
           </p:cNvSpPr>
@@ -5112,37 +4917,28 @@
             <a:pPr>
               <a:defRPr lang="de-de"/>
             </a:pPr>
-            <a:fld id="{5F3F4291-DFB2-6AB4-FC87-29E10CC90A7C}" type="slidenum">
-              <a:t>2</a:t>
+            <a:fld id="{470D4CB7-F9AA-58BA-E4B5-0FEF02FB125A}" type="slidenum">
+              <a:t>10</a:t>
             </a:fld>
+            <a:endParaRPr/>
           </a:p>
         </p:txBody>
       </p:sp>
     </p:spTree>
+    <p:extLst>
+      <p:ext uri="{BB962C8B-B14F-4D97-AF65-F5344CB8AC3E}">
+        <p14:creationId xmlns:p14="http://schemas.microsoft.com/office/powerpoint/2010/main" val="2217665574"/>
+      </p:ext>
+    </p:extLst>
   </p:cSld>
   <p:clrMapOvr>
     <a:masterClrMapping/>
   </p:clrMapOvr>
-  <p:transition spd="fast" p14:dur="800">
-    <p:fade/>
-    <p:extLst>
-      <p:ext uri="smNativeData">
-        <pr:smNativeData xmlns:pr="smNativeData" val="ec9PYAAAAAAgAwAAAAAAAAYAAAAAAAAAAAAAAAAAAAAAAAAAAQAAAAAAAAAAAAAAAAAAAAAAAAAAAAAA"/>
-      </p:ext>
-    </p:extLst>
-  </p:transition>
-  <p:timing>
-    <p:tnLst>
-      <p:par>
-        <p:cTn id="1" dur="indefinite" restart="never" nodeType="tmRoot"/>
-      </p:par>
-    </p:tnLst>
-  </p:timing>
 </p:sld>
 </file>
 
-<file path=ppt/slides/slide3.xml><?xml version="1.0" encoding="utf-8"?>
-<p:sld xmlns:p="http://schemas.openxmlformats.org/presentationml/2006/main" xmlns:p14="http://schemas.microsoft.com/office/powerpoint/2010/main" xmlns:r="http://schemas.openxmlformats.org/officeDocument/2006/relationships" xmlns:a="http://schemas.openxmlformats.org/drawingml/2006/main">
+<file path=ppt/slides/slide11.xml><?xml version="1.0" encoding="utf-8"?>
+<p:sld xmlns:a="http://schemas.openxmlformats.org/drawingml/2006/main" xmlns:r="http://schemas.openxmlformats.org/officeDocument/2006/relationships" xmlns:p="http://schemas.openxmlformats.org/presentationml/2006/main">
   <p:cSld>
     <p:spTree>
       <p:nvGrpSpPr>
@@ -5165,7 +4961,7 @@
             <a:spLocks noGrp="1" noChangeArrowheads="1"/>
             <a:extLst>
               <a:ext uri="smNativeData">
-                <pr:smNativeData xmlns:pr="smNativeData" val="SMDATA_13_ec9PYBMAAAAlAAAAZAAAAE0AAAAAAAAAAAAAAAAAAAAAAAAAAAAAAAAAAAAAAAAAAAEAAABQAAAAAAAAAAAA4D8AAAAAAADgPwAAAAAAAOA/AAAAAAAA4D8AAAAAAADgPwAAAAAAAOA/AAAAAAAA4D8AAAAAAADgPwAAAAAAAOA/AAAAAAAA4D8CAAAAjAAAAAAAAAAAAAAAT4G9DP///wgAAAAAAAAAAAAAAAAAAAAAAAAAAAAAAAAAAAAAZAAAAAEAAABAAAAAAAAAAAAAAAAAAAAAAAAAAAAAAAAAAAAAAAAAAAAAAAAAAAAAAAAAAAAAAAAAAAAAAAAAAAAAAAAAAAAAAAAAAAAAAAAAAAAAAAAAAAAAAAAAAAAAFAAAADwAAAAAAAAAAAAAAAAAAAkUAAAAAQAAABQAAAAUAAAAFAAAAAEAAAAAAAAAZAAAAGQAAAAAAAAAZAAAAGQAAAAVAAAAYAAAAAAAAAAAAAAADwAAACADAAAAAAAAAAAAAAEAAACgMgAAVgcAAKr4//8BAAAAf39/AAEAAABkAAAAAAAAABQAAABAHwAAAAAAACYAAAAAAAAAwOD//wAAAAAmAAAAZAAAABYAAABMAAAAAAAAAAAAAAAEAAAAAAAAAAEAAADu7OEKAAAAACgAAAAoAAAAZAAAAGQAAAAAAAAAzMzMAAAAAABQAAAAUAAAAGQAAABkAAAAAAAAABcAAAAUAAAAAAAAAAAAAAD/fwAA/38AAAAAAAAJAAAABAAAAAAAAAAMAAAAEAAAAAAAAAAAAAAAAAAAAAAAAAAeAAAAaAAAAAAAAAAAAAAAAAAAAAAAAAAAAAAAECcAABAnAAAAAAAAAAAAAAAAAAAAAAAAAAAAAAAAAAAAAAAAAAAAABQAAAAAAAAAwMD/AAAAAABkAAAAMgAAAAAAAABkAAAAAAAAAH9/fwAKAAAAHwAAAFQAAABPgb0F////AQAAAAAAAAAAAAAAAAAAAAAAAAAAAAAAAAAAAAAAAAAAAAAAAn9/fwDu7OEDzMzMAMDA/wB/f38AAAAAAAAAAAAAAAAAAAAAAAAAAAAhAAAAGAAAABQAAADIBQAAiQsAAHpIAACpDwAAACAAACYAAAAIAAAAAQAAAAAAAAA="/>
+                <pr:smNativeData xmlns:pr="smNativeData" xmlns:p14="http://schemas.microsoft.com/office/powerpoint/2010/main" xmlns="" val="SMDATA_13_ec9PYBMAAAAlAAAAZAAAAE0AAAAAAAAAAAAAAAAAAAAAAAAAAAAAAAAAAAAAAAAAAAEAAABQAAAAAAAAAAAA4D8AAAAAAADgPwAAAAAAAOA/AAAAAAAA4D8AAAAAAADgPwAAAAAAAOA/AAAAAAAA4D8AAAAAAADgPwAAAAAAAOA/AAAAAAAA4D8CAAAAjAAAAAAAAAAAAAAAT4G9DP///wgAAAAAAAAAAAAAAAAAAAAAAAAAAAAAAAAAAAAAZAAAAAEAAABAAAAAAAAAAAAAAAAAAAAAAAAAAAAAAAAAAAAAAAAAAAAAAAAAAAAAAAAAAAAAAAAAAAAAAAAAAAAAAAAAAAAAAAAAAAAAAAAAAAAAAAAAAAAAAAAAAAAAFAAAADwAAAAAAAAAAAAAAAAAAAkUAAAAAQAAABQAAAAUAAAAFAAAAAEAAAAAAAAAZAAAAGQAAAAAAAAAZAAAAGQAAAAVAAAAYAAAAAAAAAAAAAAADwAAACADAAAAAAAAAAAAAAEAAACgMgAAVgcAAKr4//8BAAAAf39/AAEAAABkAAAAAAAAABQAAABAHwAAAAAAACYAAAAAAAAAwOD//wAAAAAmAAAAZAAAABYAAABMAAAAAAAAAAAAAAAEAAAAAAAAAAEAAADu7OEKAAAAACgAAAAoAAAAZAAAAGQAAAAAAAAAzMzMAAAAAABQAAAAUAAAAGQAAABkAAAAAAAAABcAAAAUAAAAAAAAAAAAAAD/fwAA/38AAAAAAAAJAAAABAAAAAAAAAAMAAAAEAAAAAAAAAAAAAAAAAAAAAAAAAAeAAAAaAAAAAAAAAAAAAAAAAAAAAAAAAAAAAAAECcAABAnAAAAAAAAAAAAAAAAAAAAAAAAAAAAAAAAAAAAAAAAAAAAABQAAAAAAAAAwMD/AAAAAABkAAAAMgAAAAAAAABkAAAAAAAAAH9/fwAKAAAAHwAAAFQAAABPgb0F////AQAAAAAAAAAAAAAAAAAAAAAAAAAAAAAAAAAAAAAAAAAAAAAAAn9/fwDu7OEDzMzMAMDA/wB/f38AAAAAAAAAAAAAAAAAAAAAAAAAAAAhAAAAGAAAABQAAADIBQAAiQsAAHpIAACpDwAAACAAACYAAAAIAAAAAQAAAAAAAAA="/>
               </a:ext>
             </a:extLst>
           </p:cNvSpPr>
@@ -5187,7 +4983,16 @@
               <a:defRPr lang="en-gb"/>
             </a:pPr>
             <a:r>
-              <a:t>Foundations</a:t>
+              <a:rPr dirty="0"/>
+              <a:t>Approach </a:t>
+            </a:r>
+            <a:r>
+              <a:rPr lang="en-GB" dirty="0"/>
+              <a:t>–</a:t>
+            </a:r>
+            <a:r>
+              <a:rPr dirty="0"/>
+              <a:t> Supported feedback types</a:t>
             </a:r>
           </a:p>
         </p:txBody>
@@ -5199,7 +5004,7 @@
             <a:spLocks noGrp="1" noChangeArrowheads="1"/>
             <a:extLst>
               <a:ext uri="smNativeData">
-                <pr:smNativeData xmlns:pr="smNativeData" val="SMDATA_13_ec9PYBMAAAAlAAAAZAAAAE0AAAAAAAAAAAAAAAAAAAAAAAAAAAAAAAAAAAAAAAAAAAEAAABQAAAAAAAAAAAA4D8AAAAAAADgPwAAAAAAAOA/AAAAAAAA4D8AAAAAAADgPwAAAAAAAOA/AAAAAAAA4D8AAAAAAADgPwAAAAAAAOA/AAAAAAAA4D8CAAAAjAAAAAAAAAAAAAAAT4G9DP///wgAAAAAAAAAAAAAAAAAAAAAAAAAAAAAAAAAAAAAZAAAAAEAAABAAAAAAAAAAAAAAAAAAAAAAAAAAAAAAAAAAAAAAAAAAAAAAAAAAAAAAAAAAAAAAAAAAAAAAAAAAAAAAAAAAAAAAAAAAAAAAAAAAAAAAAAAAAAAAAAAAAAAFAAAADwAAAAAAAAAAAAAAAAAAAkUAAAAAQAAABQAAAAUAAAAFAAAAAEAAAAAAAAAZAAAAGQAAAAAAAAAZAAAAGQAAAAVAAAAYAAAAAAAAAAAAAAADwAAACADAAAAAAAAAAAAAAEAAACgMgAAVgcAAKr4//8BAAAAf39/AAEAAABkAAAAAAAAABQAAABAHwAAAAAAACYAAAAAAAAAwOD//wAAAAAmAAAAZAAAABYAAABMAAAAAAAAAAAAAAAEAAAAAAAAAAEAAADu7OEKAAAAACgAAAAoAAAAZAAAAGQAAAAAAAAAzMzMAAAAAABQAAAAUAAAAGQAAABkAAAAAAAAABcAAAAUAAAAAAAAAAAAAAD/fwAA/38AAAAAAAAJAAAABAAAAAAAAAAMAAAAEAAAAAAAAAAAAAAAAAAAAAAAAAAeAAAAaAAAAAAAAAAAAAAAAAAAAAAAAAAAAAAAECcAABAnAAAAAAAAAAAAAAAAAAAAAAAAAAAAAAAAAAAAAAAAAAAAABQAAAAAAAAAwMD/AAAAAABkAAAAMgAAAAAAAABkAAAAAAAAAH9/fwAKAAAAHwAAAFQAAABPgb0F////AQAAAAAAAAAAAAAAAAAAAAAAAAAAAAAAAAAAAAAAAAAAAAAAAn9/fwDu7OEDzMzMAMDA/wB/f38AAAAAAAAAAAAAAAAAAAAAAAAAAAAhAAAAGAAAABQAAADIBQAAwBIAAHpIAACQGwAAACAAACYAAAAIAAAAAYAAAAAAAAA="/>
+                <pr:smNativeData xmlns:pr="smNativeData" xmlns:p14="http://schemas.microsoft.com/office/powerpoint/2010/main" xmlns="" val="SMDATA_13_ec9PYBMAAAAlAAAAZAAAAE0AAAAAAAAAAAAAAAAAAAAAAAAAAAAAAAAAAAAAAAAAAAEAAABQAAAAAAAAAAAA4D8AAAAAAADgPwAAAAAAAOA/AAAAAAAA4D8AAAAAAADgPwAAAAAAAOA/AAAAAAAA4D8AAAAAAADgPwAAAAAAAOA/AAAAAAAA4D8CAAAAjAAAAAAAAAAAAAAAT4G9DP///wgAAAAAAAAAAAAAAAAAAAAAAAAAAAAAAAAAAAAAZAAAAAEAAABAAAAAAAAAAAAAAAAAAAAAAAAAAAAAAAAAAAAAAAAAAAAAAAAAAAAAAAAAAAAAAAAAAAAAAAAAAAAAAAAAAAAAAAAAAAAAAAAAAAAAAAAAAAAAAAAAAAAAFAAAADwAAAAAAAAAAAAAAAAAAAkUAAAAAQAAABQAAAAUAAAAFAAAAAEAAAAAAAAAZAAAAGQAAAAAAAAAZAAAAGQAAAAVAAAAYAAAAAAAAAAAAAAADwAAACADAAAAAAAAAAAAAAEAAACgMgAAVgcAAKr4//8BAAAAf39/AAEAAABkAAAAAAAAABQAAABAHwAAAAAAACYAAAAAAAAAwOD//wAAAAAmAAAAZAAAABYAAABMAAAAAAAAAAAAAAAEAAAAAAAAAAEAAADu7OEKAAAAACgAAAAoAAAAZAAAAGQAAAAAAAAAzMzMAAAAAABQAAAAUAAAAGQAAABkAAAAAAAAABcAAAAUAAAAAAAAAAAAAAD/fwAA/38AAAAAAAAJAAAABAAAAL4FAAAMAAAAEAAAAAAAAAAAAAAAAAAAAAAAAAAeAAAAaAAAAAAAAAAAAAAAAAAAAAAAAAAAAAAAECcAABAnAAAAAAAAAAAAAAAAAAAAAAAAAAAAAAAAAAAAAAAAAAAAABQAAAAAAAAAwMD/AAAAAABkAAAAMgAAAAAAAABkAAAAAAAAAH9/fwAKAAAAHwAAAFQAAABPgb0F////AQAAAAAAAAAAAAAAAAAAAAAAAAAAAAAAAAAAAAAAAAAAAAAAAn9/fwDu7OEDzMzMAMDA/wB/f38AAAAAAAAAAAAAAAAAAAAAAAAAAAAhAAAAGAAAABQAAADIBQAAwBIAAHpIAACQGwAAACAAACYAAAAIAAAAAYAAAAAAAAA="/>
               </a:ext>
             </a:extLst>
           </p:cNvSpPr>
@@ -5227,7 +5032,7 @@
                 <a:schemeClr val="accent1"/>
               </a:buClr>
               <a:buSzPts val="2910"/>
-              <a:buFont typeface="Wingdings" pitchFamily="0" charset="0"/>
+              <a:buFont typeface="Wingdings" charset="0"/>
               <a:buChar char="§"/>
               <a:tabLst/>
               <a:defRPr lang="de-de" sz="2800" b="0" i="0" baseline="0">
@@ -5258,7 +5063,7 @@
               <a:lnSpc>
                 <a:spcPct val="150000"/>
               </a:lnSpc>
-              <a:buFont typeface="Wingdings" pitchFamily="0" charset="0"/>
+              <a:buFont typeface="Wingdings" charset="0"/>
               <a:buChar char="§"/>
               <a:defRPr lang="de-de" sz="2000" b="0" i="0" baseline="0">
                 <a:solidFill>
@@ -5292,12 +5097,67 @@
             <a:pPr>
               <a:defRPr lang="de-de" b="0"/>
             </a:pPr>
-          </a:p>
-          <a:p>
-            <a:pPr>
-              <a:defRPr lang="de-de"/>
-            </a:pPr>
-            <a:endParaRPr lang="en-gb"/>
+            <a:r>
+              <a:rPr dirty="0"/>
+              <a:t>Visual feedbacks</a:t>
+            </a:r>
+          </a:p>
+          <a:p>
+            <a:pPr lvl="1">
+              <a:defRPr lang="de-de" b="0"/>
+            </a:pPr>
+            <a:r>
+              <a:rPr lang="de-DE" dirty="0"/>
+              <a:t>Ring feedback</a:t>
+            </a:r>
+          </a:p>
+          <a:p>
+            <a:pPr lvl="1">
+              <a:defRPr lang="de-de" b="0"/>
+            </a:pPr>
+            <a:r>
+              <a:rPr dirty="0"/>
+              <a:t>Icon feedback</a:t>
+            </a:r>
+          </a:p>
+          <a:p>
+            <a:pPr lvl="1">
+              <a:defRPr lang="de-de" b="0"/>
+            </a:pPr>
+            <a:r>
+              <a:rPr lang="de-DE" dirty="0"/>
+              <a:t>Notification feedback</a:t>
+            </a:r>
+            <a:endParaRPr dirty="0"/>
+          </a:p>
+          <a:p>
+            <a:pPr>
+              <a:defRPr lang="de-de" b="0"/>
+            </a:pPr>
+            <a:r>
+              <a:rPr lang="de-DE" dirty="0"/>
+              <a:t>Other feedbacks</a:t>
+            </a:r>
+            <a:endParaRPr dirty="0"/>
+          </a:p>
+          <a:p>
+            <a:pPr lvl="1">
+              <a:defRPr lang="de-de"/>
+            </a:pPr>
+            <a:r>
+              <a:rPr lang="en-gb" dirty="0"/>
+              <a:t>Vibration</a:t>
+            </a:r>
+          </a:p>
+          <a:p>
+            <a:pPr lvl="1">
+              <a:defRPr lang="de-de"/>
+            </a:pPr>
+            <a:r>
+              <a:rPr lang="en-GB" dirty="0"/>
+              <a:t>Sound</a:t>
+            </a:r>
+            <a:endParaRPr lang="en-gb" dirty="0"/>
           </a:p>
         </p:txBody>
       </p:sp>
@@ -5308,7 +5168,7 @@
             <a:spLocks noGrp="1" noChangeArrowheads="1"/>
             <a:extLst>
               <a:ext uri="smNativeData">
-                <pr:smNativeData xmlns:pr="smNativeData" val="SMDATA_13_ec9PYBMAAAAlAAAAZAAAAA0AAAAAAAAAAAAAAAAAAAAAAAAAAAAAAAAAAAAAAAAAAAEAAABQAAAAAAAAAAAA4D8AAAAAAADgPwAAAAAAAOA/AAAAAAAA4D8AAAAAAADgPwAAAAAAAOA/AAAAAAAA4D8AAAAAAADgPwAAAAAAAOA/AAAAAAAA4D8CAAAAjAAAAAAAAAAAAAAAT4G9DP///wgAAAAAAAAAAAAAAAAAAAAAAAAAAAAAAAAAAAAAZAAAAAEAAABAAAAAAAAAAAAAAAAAAAAAAAAAAAAAAAAAAAAAAAAAAAAAAAAAAAAAAAAAAAAAAAAAAAAAAAAAAAAAAAAAAAAAAAAAAAAAAAAAAAAAAAAAAAAAAAAAAAAAFAAAADwAAAAAAAAAAAAAAAAAAAkUAAAAAQAAABQAAAAUAAAAFAAAAAEAAAAAAAAAZAAAAGQAAAAAAAAAZAAAAGQAAAAVAAAAYAAAAAAAAAAAAAAADwAAACADAAAAAAAAAAAAAAEAAACgMgAAVgcAAKr4//8BAAAAf39/AAEAAABkAAAAAAAAABQAAABAHwAAAAAAACYAAAAAAAAAwOD//wAAAAAmAAAAZAAAABYAAABMAAAAAAAAAAAAAAAEAAAAAAAAAAEAAADu7OEKAAAAACgAAAAoAAAAZAAAAGQAAAAAAAAAzMzMAAAAAABQAAAAUAAAAGQAAABkAAAAAAAAABcAAAAUAAAAAAAAAAAAAAD/fwAA/38AAAAAAAAJAAAABAAAAAAAAAAMAAAAEAAAAAAAAAAAAAAAAAAAAAAAAAAeAAAAaAAAAAAAAAAAAAAAAAAAAAAAAAAAAAAAECcAABAnAAAAAAAAAAAAAAAAAAAAAAAAAAAAAAAAAAAAAAAAAAAAABQAAAAAAAAAwMD/AAAAAABkAAAAMgAAAAAAAABkAAAAAAAAAH9/fwAKAAAAHwAAAFQAAABPgb0F////AQAAAAAAAAAAAAAAAAAAAAAAAAAAAAAAAAAAAAAAAAAAAAAAAn9/fwDu7OEDzMzMAMDA/wB/f38AAAAAAAAAAAAAAAAAAAAAAAAAAAAhAAAAGAAAABQAAADqAQAA4DgAAPAKAACYOgAAEAAAACYAAAAIAAAAAQAAAAAAAAA="/>
+                <pr:smNativeData xmlns:pr="smNativeData" xmlns:p14="http://schemas.microsoft.com/office/powerpoint/2010/main" xmlns="" val="SMDATA_13_ec9PYBMAAAAlAAAAZAAAAA0AAAAAAAAAAAAAAAAAAAAAAAAAAAAAAAAAAAAAAAAAAAEAAABQAAAAAAAAAAAA4D8AAAAAAADgPwAAAAAAAOA/AAAAAAAA4D8AAAAAAADgPwAAAAAAAOA/AAAAAAAA4D8AAAAAAADgPwAAAAAAAOA/AAAAAAAA4D8CAAAAjAAAAAAAAAAAAAAAT4G9DP///wgAAAAAAAAAAAAAAAAAAAAAAAAAAAAAAAAAAAAAZAAAAAEAAABAAAAAAAAAAAAAAAAAAAAAAAAAAAAAAAAAAAAAAAAAAAAAAAAAAAAAAAAAAAAAAAAAAAAAAAAAAAAAAAAAAAAAAAAAAAAAAAAAAAAAAAAAAAAAAAAAAAAAFAAAADwAAAAAAAAAAAAAAAAAAAkUAAAAAQAAABQAAAAUAAAAFAAAAAEAAAAAAAAAZAAAAGQAAAAAAAAAZAAAAGQAAAAVAAAAYAAAAAAAAAAAAAAADwAAACADAAAAAAAAAAAAAAEAAACgMgAAVgcAAKr4//8BAAAAf39/AAEAAABkAAAAAAAAABQAAABAHwAAAAAAACYAAAAAAAAAwOD//wAAAAAmAAAAZAAAABYAAABMAAAAAAAAAAAAAAAEAAAAAAAAAAEAAADu7OEKAAAAACgAAAAoAAAAZAAAAGQAAAAAAAAAzMzMAAAAAABQAAAAUAAAAGQAAABkAAAAAAAAABcAAAAUAAAAAAAAAAAAAAD/fwAA/38AAAAAAAAJAAAABAAAAGwAAAAMAAAAEAAAAAAAAAAAAAAAAAAAAAAAAAAeAAAAaAAAAAAAAAAAAAAAAAAAAAAAAAAAAAAAECcAABAnAAAAAAAAAAAAAAAAAAAAAAAAAAAAAAAAAAAAAAAAAAAAABQAAAAAAAAAwMD/AAAAAABkAAAAMgAAAAAAAABkAAAAAAAAAH9/fwAKAAAAHwAAAFQAAABPgb0F////AQAAAAAAAAAAAAAAAAAAAAAAAAAAAAAAAAAAAAAAAAAAAAAAAn9/fwDu7OEDzMzMAMDA/wB/f38AAAAAAAAAAAAAAAAAAAAAAAAAAAAhAAAAGAAAABQAAADqAQAA4DgAAPAKAACYOgAAEAAAACYAAAAIAAAAAQAAAAAAAAA="/>
               </a:ext>
             </a:extLst>
           </p:cNvSpPr>
@@ -5342,7 +5202,7 @@
             <a:spLocks noGrp="1" noChangeArrowheads="1"/>
             <a:extLst>
               <a:ext uri="smNativeData">
-                <pr:smNativeData xmlns:pr="smNativeData" val="SMDATA_13_ec9PYBMAAAAlAAAAZAAAAA0AAAAAAAAAAAAAAAAAAAAAAAAAAAAAAAAAAAAAAAAAAAEAAABQAAAAAAAAAAAA4D8AAAAAAADgPwAAAAAAAOA/AAAAAAAA4D8AAAAAAADgPwAAAAAAAOA/AAAAAAAA4D8AAAAAAADgPwAAAAAAAOA/AAAAAAAA4D8CAAAAjAAAAAAAAAAAAAAAT4G9DP///wgAAAAAAAAAAAAAAAAAAAAAAAAAAAAAAAAAAAAAZAAAAAEAAABAAAAAAAAAAAAAAAAAAAAAAAAAAAAAAAAAAAAAAAAAAAAAAAAAAAAAAAAAAAAAAAAAAAAAAAAAAAAAAAAAAAAAAAAAAAAAAAAAAAAAAAAAAAAAAAAAAAAAFAAAADwAAAAAAAAAAAAAAAAAAAkUAAAAAQAAABQAAAAUAAAAFAAAAAEAAAAAAAAAZAAAAGQAAAAAAAAAZAAAAGQAAAAVAAAAYAAAAAAAAAAAAAAADwAAACADAAAAAAAAAAAAAAEAAACgMgAAVgcAAKr4//8BAAAAf39/AAEAAABkAAAAAAAAABQAAABAHwAAAAAAACYAAAAAAAAAwOD//wAAAAAmAAAAZAAAABYAAABMAAAAAAAAAAAAAAAEAAAAAAAAAAEAAADu7OEKAAAAACgAAAAoAAAAZAAAAGQAAAAAAAAAzMzMAAAAAABQAAAAUAAAAGQAAABkAAAAAAAAABcAAAAUAAAAAAAAAAAAAAD/fwAA/38AAAAAAAAJAAAABAAAAAAAAAAMAAAAEAAAAAAAAAAAAAAAAAAAAAAAAAAeAAAAaAAAAAAAAAAAAAAAAAAAAAAAAAAAAAAAECcAABAnAAAAAAAAAAAAAAAAAAAAAAAAAAAAAAAAAAAAAAAAAAAAABQAAAAAAAAAwMD/AAAAAABkAAAAMgAAAAAAAABkAAAAAAAAAH9/fwAKAAAAHwAAAFQAAABPgb0F////AQAAAAAAAAAAAAAAAAAAAAAAAAAAAAAAAAAAAAAAAAAAAAAAAn9/fwDu7OEDzMzMAMDA/wB/f38AAAAAAAAAAAAAAAAAAAAAAAAAAAAhAAAAGAAAABQAAADQSAAAGDkAABZOAACYOgAAEAAAACYAAAAIAAAAAAAAAAAAAAA="/>
+                <pr:smNativeData xmlns:pr="smNativeData" xmlns:p14="http://schemas.microsoft.com/office/powerpoint/2010/main" xmlns="" val="SMDATA_13_ec9PYBMAAAAlAAAAZAAAAA0AAAAAAAAAAAAAAAAAAAAAAAAAAAAAAAAAAAAAAAAAAAEAAABQAAAAAAAAAAAA4D8AAAAAAADgPwAAAAAAAOA/AAAAAAAA4D8AAAAAAADgPwAAAAAAAOA/AAAAAAAA4D8AAAAAAADgPwAAAAAAAOA/AAAAAAAA4D8CAAAAjAAAAAAAAAAAAAAAT4G9DP///wgAAAAAAAAAAAAAAAAAAAAAAAAAAAAAAAAAAAAAZAAAAAEAAABAAAAAAAAAAAAAAAAAAAAAAAAAAAAAAAAAAAAAAAAAAAAAAAAAAAAAAAAAAAAAAAAAAAAAAAAAAAAAAAAAAAAAAAAAAAAAAAAAAAAAAAAAAAAAAAAAAAAAFAAAADwAAAAAAAAAAAAAAAAAAAkUAAAAAQAAABQAAAAUAAAAFAAAAAEAAAAAAAAAZAAAAGQAAAAAAAAAZAAAAGQAAAAVAAAAYAAAAAAAAAAAAAAADwAAACADAAAAAAAAAAAAAAEAAACgMgAAVgcAAKr4//8BAAAAf39/AAEAAABkAAAAAAAAABQAAABAHwAAAAAAACYAAAAAAAAAwOD//wAAAAAmAAAAZAAAABYAAABMAAAAAAAAAAAAAAAEAAAAAAAAAAEAAADu7OEKAAAAACgAAAAoAAAAZAAAAGQAAAAAAAAAzMzMAAAAAABQAAAAUAAAAGQAAABkAAAAAAAAABcAAAAUAAAAAAAAAAAAAAD/fwAA/38AAAAAAAAJAAAABAAAAEgDAAAMAAAAEAAAAAAAAAAAAAAAAAAAAAAAAAAeAAAAaAAAAAAAAAAAAAAAAAAAAAAAAAAAAAAAECcAABAnAAAAAAAAAAAAAAAAAAAAAAAAAAAAAAAAAAAAAAAAAAAAABQAAAAAAAAAwMD/AAAAAABkAAAAMgAAAAAAAABkAAAAAAAAAH9/fwAKAAAAHwAAAFQAAABPgb0F////AQAAAAAAAAAAAAAAAAAAAAAAAAAAAAAAAAAAAAAAAAAAAAAAAn9/fwDu7OEDzMzMAMDA/wB/f38AAAAAAAAAAAAAAAAAAAAAAAAAAAAhAAAAGAAAABQAAADQSAAAGDkAABZOAACYOgAAEAAAACYAAAAIAAAAAAAAAAAAAAA="/>
               </a:ext>
             </a:extLst>
           </p:cNvSpPr>
@@ -5358,29 +5218,136 @@
             <a:pPr>
               <a:defRPr lang="de-de"/>
             </a:pPr>
-            <a:fld id="{5E2C5BB6-F8B3-79AD-FD94-0EF815DA0B5B}" type="slidenum">
-              <a:t>3</a:t>
+            <a:fld id="{470D4CB7-F9AA-58BA-E4B5-0FEF02FB125A}" type="slidenum">
+              <a:t>11</a:t>
             </a:fld>
-          </a:p>
-        </p:txBody>
-      </p:sp>
+            <a:endParaRPr/>
+          </a:p>
+        </p:txBody>
+      </p:sp>
+      <p:pic>
+        <p:nvPicPr>
+          <p:cNvPr id="7" name="Picture 6">
+            <a:extLst>
+              <a:ext uri="{FF2B5EF4-FFF2-40B4-BE49-F238E27FC236}">
+                <a16:creationId xmlns:a16="http://schemas.microsoft.com/office/drawing/2014/main" id="{F84E3D6F-29FA-4A67-812C-A1D4DB2D980D}"/>
+              </a:ext>
+            </a:extLst>
+          </p:cNvPr>
+          <p:cNvPicPr>
+            <a:picLocks noChangeAspect="1"/>
+          </p:cNvPicPr>
+          <p:nvPr/>
+        </p:nvPicPr>
+        <p:blipFill>
+          <a:blip r:embed="rId2">
+            <a:extLst>
+              <a:ext uri="{28A0092B-C50C-407E-A947-70E740481C1C}">
+                <a14:useLocalDpi xmlns:a14="http://schemas.microsoft.com/office/drawing/2010/main" val="0"/>
+              </a:ext>
+            </a:extLst>
+          </a:blip>
+          <a:stretch>
+            <a:fillRect/>
+          </a:stretch>
+        </p:blipFill>
+        <p:spPr>
+          <a:xfrm>
+            <a:off x="5863443" y="2795905"/>
+            <a:ext cx="3120390" cy="3120390"/>
+          </a:xfrm>
+          <a:prstGeom prst="rect">
+            <a:avLst/>
+          </a:prstGeom>
+        </p:spPr>
+      </p:pic>
+      <p:pic>
+        <p:nvPicPr>
+          <p:cNvPr id="9" name="Picture 8">
+            <a:extLst>
+              <a:ext uri="{FF2B5EF4-FFF2-40B4-BE49-F238E27FC236}">
+                <a16:creationId xmlns:a16="http://schemas.microsoft.com/office/drawing/2014/main" id="{7F7FD020-5D5B-4CF4-969F-3CB86D787A73}"/>
+              </a:ext>
+            </a:extLst>
+          </p:cNvPr>
+          <p:cNvPicPr>
+            <a:picLocks noChangeAspect="1"/>
+          </p:cNvPicPr>
+          <p:nvPr/>
+        </p:nvPicPr>
+        <p:blipFill>
+          <a:blip r:embed="rId3">
+            <a:extLst>
+              <a:ext uri="{28A0092B-C50C-407E-A947-70E740481C1C}">
+                <a14:useLocalDpi xmlns:a14="http://schemas.microsoft.com/office/drawing/2010/main" val="0"/>
+              </a:ext>
+            </a:extLst>
+          </a:blip>
+          <a:stretch>
+            <a:fillRect/>
+          </a:stretch>
+        </p:blipFill>
+        <p:spPr>
+          <a:xfrm>
+            <a:off x="9444355" y="2795905"/>
+            <a:ext cx="3120390" cy="3120390"/>
+          </a:xfrm>
+          <a:prstGeom prst="rect">
+            <a:avLst/>
+          </a:prstGeom>
+        </p:spPr>
+      </p:pic>
+      <p:pic>
+        <p:nvPicPr>
+          <p:cNvPr id="11" name="Picture 10">
+            <a:extLst>
+              <a:ext uri="{FF2B5EF4-FFF2-40B4-BE49-F238E27FC236}">
+                <a16:creationId xmlns:a16="http://schemas.microsoft.com/office/drawing/2014/main" id="{A800B0FF-48FE-4653-8A8B-C093D779850F}"/>
+              </a:ext>
+            </a:extLst>
+          </p:cNvPr>
+          <p:cNvPicPr>
+            <a:picLocks noChangeAspect="1"/>
+          </p:cNvPicPr>
+          <p:nvPr/>
+        </p:nvPicPr>
+        <p:blipFill>
+          <a:blip r:embed="rId4">
+            <a:extLst>
+              <a:ext uri="{28A0092B-C50C-407E-A947-70E740481C1C}">
+                <a14:useLocalDpi xmlns:a14="http://schemas.microsoft.com/office/drawing/2010/main" val="0"/>
+              </a:ext>
+            </a:extLst>
+          </a:blip>
+          <a:stretch>
+            <a:fillRect/>
+          </a:stretch>
+        </p:blipFill>
+        <p:spPr>
+          <a:xfrm>
+            <a:off x="7653899" y="5672211"/>
+            <a:ext cx="3120390" cy="3120390"/>
+          </a:xfrm>
+          <a:prstGeom prst="rect">
+            <a:avLst/>
+          </a:prstGeom>
+        </p:spPr>
+      </p:pic>
     </p:spTree>
+    <p:extLst>
+      <p:ext uri="{BB962C8B-B14F-4D97-AF65-F5344CB8AC3E}">
+        <p14:creationId xmlns:p14="http://schemas.microsoft.com/office/powerpoint/2010/main" val="3865573809"/>
+      </p:ext>
+    </p:extLst>
   </p:cSld>
   <p:clrMapOvr>
     <a:masterClrMapping/>
   </p:clrMapOvr>
-  <p:timing>
-    <p:tnLst>
-      <p:par>
-        <p:cTn id="1" dur="indefinite" restart="never" nodeType="tmRoot"/>
-      </p:par>
-    </p:tnLst>
-  </p:timing>
 </p:sld>
 </file>
 
-<file path=ppt/slides/slide4.xml><?xml version="1.0" encoding="utf-8"?>
-<p:sld xmlns:p="http://schemas.openxmlformats.org/presentationml/2006/main" xmlns:p14="http://schemas.microsoft.com/office/powerpoint/2010/main" xmlns:r="http://schemas.openxmlformats.org/officeDocument/2006/relationships" xmlns:a="http://schemas.openxmlformats.org/drawingml/2006/main">
+<file path=ppt/slides/slide12.xml><?xml version="1.0" encoding="utf-8"?>
+<p:sld xmlns:a="http://schemas.openxmlformats.org/drawingml/2006/main" xmlns:r="http://schemas.openxmlformats.org/officeDocument/2006/relationships" xmlns:p="http://schemas.openxmlformats.org/presentationml/2006/main">
   <p:cSld>
     <p:spTree>
       <p:nvGrpSpPr>
@@ -5403,7 +5370,7 @@
             <a:spLocks noGrp="1" noChangeArrowheads="1"/>
             <a:extLst>
               <a:ext uri="smNativeData">
-                <pr:smNativeData xmlns:pr="smNativeData" val="SMDATA_13_ec9PYBMAAAAlAAAAZAAAAE0AAAAAAAAAAAAAAAAAAAAAAAAAAAAAAAAAAAAAAAAAAAEAAABQAAAAAAAAAAAA4D8AAAAAAADgPwAAAAAAAOA/AAAAAAAA4D8AAAAAAADgPwAAAAAAAOA/AAAAAAAA4D8AAAAAAADgPwAAAAAAAOA/AAAAAAAA4D8CAAAAjAAAAAAAAAAAAAAAT4G9DP///wgAAAAAAAAAAAAAAAAAAAAAAAAAAAAAAAAAAAAAZAAAAAEAAABAAAAAAAAAAAAAAAAAAAAAAAAAAAAAAAAAAAAAAAAAAAAAAAAAAAAAAAAAAAAAAAAAAAAAAAAAAAAAAAAAAAAAAAAAAAAAAAAAAAAAAAAAAAAAAAAAAAAAFAAAADwAAAAAAAAAAAAAAAAAAAkUAAAAAQAAABQAAAAUAAAAFAAAAAEAAAAAAAAAZAAAAGQAAAAAAAAAZAAAAGQAAAAVAAAAYAAAAAAAAAAAAAAADwAAACADAAAAAAAAAAAAAAEAAACgMgAAVgcAAKr4//8BAAAAf39/AAEAAABkAAAAAAAAABQAAABAHwAAAAAAACYAAAAAAAAAwOD//wAAAAAmAAAAZAAAABYAAABMAAAAAAAAAAAAAAAEAAAAAAAAAAEAAADu7OEKAAAAACgAAAAoAAAAZAAAAGQAAAAAAAAAzMzMAAAAAABQAAAAUAAAAGQAAABkAAAAAAAAABcAAAAUAAAAAAAAAAAAAAD/fwAA/38AAAAAAAAJAAAABAAAABoEAAAMAAAAEAAAAAAAAAAAAAAAAAAAAAAAAAAeAAAAaAAAAAAAAAAAAAAAAAAAAAAAAAAAAAAAECcAABAnAAAAAAAAAAAAAAAAAAAAAAAAAAAAAAAAAAAAAAAAAAAAABQAAAAAAAAAwMD/AAAAAABkAAAAMgAAAAAAAABkAAAAAAAAAH9/fwAKAAAAHwAAAFQAAABPgb0F////AQAAAAAAAAAAAAAAAAAAAAAAAAAAAAAAAAAAAAAAAAAAAAAAAn9/fwDu7OEDzMzMAMDA/wB/f38AAAAAAAAAAAAAAAAAAAAAAAAAAAAhAAAAGAAAABQAAADIBQAAiQsAAHpIAACpDwAAACAAACYAAAAIAAAAAQAAAAAAAAA="/>
+                <pr:smNativeData xmlns="" xmlns:p14="http://schemas.microsoft.com/office/powerpoint/2010/main" xmlns:pr="smNativeData" val="SMDATA_13_ec9PYBMAAAAlAAAAZAAAAE0AAAAAAAAAAAAAAAAAAAAAAAAAAAAAAAAAAAAAAAAAAAEAAABQAAAAAAAAAAAA4D8AAAAAAADgPwAAAAAAAOA/AAAAAAAA4D8AAAAAAADgPwAAAAAAAOA/AAAAAAAA4D8AAAAAAADgPwAAAAAAAOA/AAAAAAAA4D8CAAAAjAAAAAAAAAAAAAAAT4G9DP///wgAAAAAAAAAAAAAAAAAAAAAAAAAAAAAAAAAAAAAZAAAAAEAAABAAAAAAAAAAAAAAAAAAAAAAAAAAAAAAAAAAAAAAAAAAAAAAAAAAAAAAAAAAAAAAAAAAAAAAAAAAAAAAAAAAAAAAAAAAAAAAAAAAAAAAAAAAAAAAAAAAAAAFAAAADwAAAAAAAAAAAAAAAAAAAkUAAAAAQAAABQAAAAUAAAAFAAAAAEAAAAAAAAAZAAAAGQAAAAAAAAAZAAAAGQAAAAVAAAAYAAAAAAAAAAAAAAADwAAACADAAAAAAAAAAAAAAEAAACgMgAAVgcAAKr4//8BAAAAf39/AAEAAABkAAAAAAAAABQAAABAHwAAAAAAACYAAAAAAAAAwOD//wAAAAAmAAAAZAAAABYAAABMAAAAAAAAAAAAAAAEAAAAAAAAAAEAAADu7OEKAAAAACgAAAAoAAAAZAAAAGQAAAAAAAAAzMzMAAAAAABQAAAAUAAAAGQAAABkAAAAAAAAABcAAAAUAAAAAAAAAAAAAAD/fwAA/38AAAAAAAAJAAAABAAAAAAAAAAMAAAAEAAAAAAAAAAAAAAAAAAAAAAAAAAeAAAAaAAAAAAAAAAAAAAAAAAAAAAAAAAAAAAAECcAABAnAAAAAAAAAAAAAAAAAAAAAAAAAAAAAAAAAAAAAAAAAAAAABQAAAAAAAAAwMD/AAAAAABkAAAAMgAAAAAAAABkAAAAAAAAAH9/fwAKAAAAHwAAAFQAAABPgb0F////AQAAAAAAAAAAAAAAAAAAAAAAAAAAAAAAAAAAAAAAAAAAAAAAAn9/fwDu7OEDzMzMAMDA/wB/f38AAAAAAAAAAAAAAAAAAAAAAAAAAAAhAAAAGAAAABQAAADIBQAAiQsAAHpIAACpDwAAACAAACYAAAAIAAAAAQAAAAAAAAA="/>
               </a:ext>
             </a:extLst>
           </p:cNvSpPr>
@@ -5425,7 +5392,16 @@
               <a:defRPr lang="en-gb"/>
             </a:pPr>
             <a:r>
-              <a:t>Related work</a:t>
+              <a:rPr dirty="0"/>
+              <a:t>Approach </a:t>
+            </a:r>
+            <a:r>
+              <a:rPr lang="en-GB" dirty="0"/>
+              <a:t>–</a:t>
+            </a:r>
+            <a:r>
+              <a:rPr dirty="0"/>
+              <a:t> Main application</a:t>
             </a:r>
           </a:p>
         </p:txBody>
@@ -5437,7 +5413,7 @@
             <a:spLocks noGrp="1" noChangeArrowheads="1"/>
             <a:extLst>
               <a:ext uri="smNativeData">
-                <pr:smNativeData xmlns:pr="smNativeData" val="SMDATA_13_ec9PYBMAAAAlAAAAZAAAAE0AAAAAAAAAAAAAAAAAAAAAAAAAAAAAAAAAAAAAAAAAAAEAAABQAAAAAAAAAAAA4D8AAAAAAADgPwAAAAAAAOA/AAAAAAAA4D8AAAAAAADgPwAAAAAAAOA/AAAAAAAA4D8AAAAAAADgPwAAAAAAAOA/AAAAAAAA4D8CAAAAjAAAAAAAAAAAAAAAT4G9DP///wgAAAAAAAAAAAAAAAAAAAAAAAAAAAAAAAAAAAAAZAAAAAEAAABAAAAAAAAAAAAAAAAAAAAAAAAAAAAAAAAAAAAAAAAAAAAAAAAAAAAAAAAAAAAAAAAAAAAAAAAAAAAAAAAAAAAAAAAAAAAAAAAAAAAAAAAAAAAAAAAAAAAAFAAAADwAAAAAAAAAAAAAAAAAAAkUAAAAAQAAABQAAAAUAAAAFAAAAAEAAAAAAAAAZAAAAGQAAAAAAAAAZAAAAGQAAAAVAAAAYAAAAAAAAAAAAAAADwAAACADAAAAAAAAAAAAAAEAAACgMgAAVgcAAKr4//8BAAAAf39/AAEAAABkAAAAAAAAABQAAABAHwAAAAAAACYAAAAAAAAAwOD//wAAAAAmAAAAZAAAABYAAABMAAAAAAAAAAAAAAAEAAAAAAAAAAEAAADu7OEKAAAAACgAAAAoAAAAZAAAAGQAAAAAAAAAzMzMAAAAAABQAAAAUAAAAGQAAABkAAAAAAAAABcAAAAUAAAAAAAAAAAAAAD/fwAA/38AAAAAAAAJAAAABAAAAAAAAAAMAAAAEAAAAAAAAAAAAAAAAAAAAAAAAAAeAAAAaAAAAAAAAAAAAAAAAAAAAAAAAAAAAAAAECcAABAnAAAAAAAAAAAAAAAAAAAAAAAAAAAAAAAAAAAAAAAAAAAAABQAAAAAAAAAwMD/AAAAAABkAAAAMgAAAAAAAABkAAAAAAAAAH9/fwAKAAAAHwAAAFQAAABPgb0F////AQAAAAAAAAAAAAAAAAAAAAAAAAAAAAAAAAAAAAAAAAAAAAAAAn9/fwDu7OEDzMzMAMDA/wB/f38AAAAAAAAAAAAAAAAAAAAAAAAAAAAhAAAAGAAAABQAAADIBQAAwBIAAHpIAACYNwAAACAAACYAAAAIAAAAAYAAAAAAAAA="/>
+                <pr:smNativeData xmlns="" xmlns:p14="http://schemas.microsoft.com/office/powerpoint/2010/main" xmlns:pr="smNativeData" val="SMDATA_13_ec9PYBMAAAAlAAAAZAAAAE0AAAAAAAAAAAAAAAAAAAAAAAAAAAAAAAAAAAAAAAAAAAEAAABQAAAAAAAAAAAA4D8AAAAAAADgPwAAAAAAAOA/AAAAAAAA4D8AAAAAAADgPwAAAAAAAOA/AAAAAAAA4D8AAAAAAADgPwAAAAAAAOA/AAAAAAAA4D8CAAAAjAAAAAAAAAAAAAAAT4G9DP///wgAAAAAAAAAAAAAAAAAAAAAAAAAAAAAAAAAAAAAZAAAAAEAAABAAAAAAAAAAAAAAAAAAAAAAAAAAAAAAAAAAAAAAAAAAAAAAAAAAAAAAAAAAAAAAAAAAAAAAAAAAAAAAAAAAAAAAAAAAAAAAAAAAAAAAAAAAAAAAAAAAAAAFAAAADwAAAAAAAAAAAAAAAAAAAkUAAAAAQAAABQAAAAUAAAAFAAAAAEAAAAAAAAAZAAAAGQAAAAAAAAAZAAAAGQAAAAVAAAAYAAAAAAAAAAAAAAADwAAACADAAAAAAAAAAAAAAEAAACgMgAAVgcAAKr4//8BAAAAf39/AAEAAABkAAAAAAAAABQAAABAHwAAAAAAACYAAAAAAAAAwOD//wAAAAAmAAAAZAAAABYAAABMAAAAAAAAAAAAAAAEAAAAAAAAAAEAAADu7OEKAAAAACgAAAAoAAAAZAAAAGQAAAAAAAAAzMzMAAAAAABQAAAAUAAAAGQAAABkAAAAAAAAABcAAAAUAAAAAAAAAAAAAAD/fwAA/38AAAAAAAAJAAAABAAAAL4FAAAMAAAAEAAAAAAAAAAAAAAAAAAAAAAAAAAeAAAAaAAAAAAAAAAAAAAAAAAAAAAAAAAAAAAAECcAABAnAAAAAAAAAAAAAAAAAAAAAAAAAAAAAAAAAAAAAAAAAAAAABQAAAAAAAAAwMD/AAAAAABkAAAAMgAAAAAAAABkAAAAAAAAAH9/fwAKAAAAHwAAAFQAAABPgb0F////AQAAAAAAAAAAAAAAAAAAAAAAAAAAAAAAAAAAAAAAAAAAAAAAAn9/fwDu7OEDzMzMAMDA/wB/f38AAAAAAAAAAAAAAAAAAAAAAAAAAAAhAAAAGAAAABQAAADIBQAAwBIAAHpIAACQGwAAACAAACYAAAAIAAAAAYAAAAAAAAA="/>
               </a:ext>
             </a:extLst>
           </p:cNvSpPr>
@@ -5448,7 +5424,7 @@
         <p:spPr>
           <a:xfrm>
             <a:off x="939800" y="3048000"/>
-            <a:ext cx="10841990" cy="5989320"/>
+            <a:ext cx="10841990" cy="1432560"/>
           </a:xfrm>
         </p:spPr>
         <p:txBody>
@@ -5465,7 +5441,7 @@
                 <a:schemeClr val="accent1"/>
               </a:buClr>
               <a:buSzPts val="2910"/>
-              <a:buFont typeface="Wingdings" pitchFamily="0" charset="0"/>
+              <a:buFont typeface="Wingdings" charset="0"/>
               <a:buChar char="§"/>
               <a:tabLst/>
               <a:defRPr lang="de-de" sz="2800" b="0" i="0" baseline="0">
@@ -5496,7 +5472,7 @@
               <a:lnSpc>
                 <a:spcPct val="150000"/>
               </a:lnSpc>
-              <a:buFont typeface="Wingdings" pitchFamily="0" charset="0"/>
+              <a:buFont typeface="Wingdings" charset="0"/>
               <a:buChar char="§"/>
               <a:defRPr lang="de-de" sz="2000" b="0" i="0" baseline="0">
                 <a:solidFill>
@@ -5531,7 +5507,8 @@
               <a:defRPr lang="de-de" b="0"/>
             </a:pPr>
             <a:r>
-              <a:t>Users have wearable privacy concerns [1], [2]</a:t>
+              <a:rPr dirty="0"/>
+              <a:t>Views</a:t>
             </a:r>
           </a:p>
           <a:p>
@@ -5539,75 +5516,43 @@
               <a:defRPr lang="de-de" b="0"/>
             </a:pPr>
             <a:r>
-              <a:t>But also misunderstandings and false beliefs [8]</a:t>
+              <a:rPr lang="de-DE" dirty="0"/>
+              <a:t>Main page</a:t>
             </a:r>
           </a:p>
           <a:p>
             <a:pPr lvl="1">
-              <a:buChar char="→"/>
               <a:defRPr lang="de-de" b="0"/>
             </a:pPr>
             <a:r>
-              <a:t> Important to raise awareness</a:t>
-            </a:r>
-          </a:p>
-          <a:p>
-            <a:pPr>
-              <a:defRPr lang="de-de"/>
-            </a:pPr>
-            <a:r>
-              <a:rPr lang="en-gb"/>
-              <a:t>Various apps giving context-dependent feedback</a:t>
-            </a:r>
-            <a:endParaRPr lang="en-gb"/>
+              <a:rPr lang="de-DE" dirty="0"/>
+              <a:t>Visual feedback settings</a:t>
+            </a:r>
           </a:p>
           <a:p>
             <a:pPr lvl="1">
-              <a:defRPr lang="en-gb"/>
-            </a:pPr>
-            <a:r>
-              <a:t>Haptic feedback for pedestrian navigation [3]</a:t>
+              <a:defRPr lang="de-de" b="0"/>
+            </a:pPr>
+            <a:r>
+              <a:rPr lang="de-DE" dirty="0"/>
+              <a:t>Other feedback settings</a:t>
             </a:r>
           </a:p>
           <a:p>
             <a:pPr lvl="1">
-              <a:defRPr lang="en-gb"/>
-            </a:pPr>
-            <a:r>
-              <a:t>Visual and haptic feedback to assist deaf people [4]</a:t>
-            </a:r>
-          </a:p>
-          <a:p>
-            <a:pPr lvl="1">
-              <a:defRPr lang="en-gb"/>
-            </a:pPr>
-            <a:r>
-              <a:t>Visual feedback to assist rescuers during CPR [5]</a:t>
-            </a:r>
-          </a:p>
-          <a:p>
-            <a:pPr>
-              <a:defRPr lang="en-gb"/>
-            </a:pPr>
-            <a:r>
-              <a:t>Both together?</a:t>
-            </a:r>
-          </a:p>
-          <a:p>
-            <a:pPr lvl="1">
-              <a:defRPr lang="en-gb"/>
-            </a:pPr>
-            <a:r>
-              <a:t>Study to question the impact of timing of privacy feedback on UX [7]</a:t>
-            </a:r>
-          </a:p>
-          <a:p>
-            <a:pPr lvl="1">
-              <a:defRPr lang="en-gb"/>
-            </a:pPr>
-            <a:r>
-              <a:t>Serious game to raise awareness [6]</a:t>
-            </a:r>
+              <a:defRPr lang="de-de" b="0"/>
+            </a:pPr>
+            <a:r>
+              <a:rPr lang="de-DE" dirty="0"/>
+              <a:t>Sensors suspension setting</a:t>
+            </a:r>
+            <a:endParaRPr dirty="0"/>
+          </a:p>
+          <a:p>
+            <a:pPr>
+              <a:defRPr lang="de-de"/>
+            </a:pPr>
+            <a:endParaRPr lang="en-gb" dirty="0"/>
           </a:p>
         </p:txBody>
       </p:sp>
@@ -5618,7 +5563,7 @@
             <a:spLocks noGrp="1" noChangeArrowheads="1"/>
             <a:extLst>
               <a:ext uri="smNativeData">
-                <pr:smNativeData xmlns:pr="smNativeData" val="SMDATA_13_ec9PYBMAAAAlAAAAZAAAAA0AAAAAAAAAAAAAAAAAAAAAAAAAAAAAAAAAAAAAAAAAAAEAAABQAAAAAAAAAAAA4D8AAAAAAADgPwAAAAAAAOA/AAAAAAAA4D8AAAAAAADgPwAAAAAAAOA/AAAAAAAA4D8AAAAAAADgPwAAAAAAAOA/AAAAAAAA4D8CAAAAjAAAAAAAAAAAAAAAT4G9DP///wgAAAAAAAAAAAAAAAAAAAAAAAAAAAAAAAAAAAAAZAAAAAEAAABAAAAAAAAAAAAAAAAAAAAAAAAAAAAAAAAAAAAAAAAAAAAAAAAAAAAAAAAAAAAAAAAAAAAAAAAAAAAAAAAAAAAAAAAAAAAAAAAAAAAAAAAAAAAAAAAAAAAAFAAAADwAAAAAAAAAAAAAAAAAAAkUAAAAAQAAABQAAAAUAAAAFAAAAAEAAAAAAAAAZAAAAGQAAAAAAAAAZAAAAGQAAAAVAAAAYAAAAAAAAAAAAAAADwAAACADAAAAAAAAAAAAAAEAAACgMgAAVgcAAKr4//8BAAAAf39/AAEAAABkAAAAAAAAABQAAABAHwAAAAAAACYAAAAAAAAAwOD//wAAAAAmAAAAZAAAABYAAABMAAAAAAAAAAAAAAAEAAAAAAAAAAEAAADu7OEKAAAAACgAAAAoAAAAZAAAAGQAAAAAAAAAzMzMAAAAAABQAAAAUAAAAGQAAABkAAAAAAAAABcAAAAUAAAAAAAAAAAAAAD/fwAA/38AAAAAAAAJAAAABAAAAHwBAAAMAAAAEAAAAAAAAAAAAAAAAAAAAAAAAAAeAAAAaAAAAAAAAAAAAAAAAAAAAAAAAAAAAAAAECcAABAnAAAAAAAAAAAAAAAAAAAAAAAAAAAAAAAAAAAAAAAAAAAAABQAAAAAAAAAwMD/AAAAAABkAAAAMgAAAAAAAABkAAAAAAAAAH9/fwAKAAAAHwAAAFQAAABPgb0F////AQAAAAAAAAAAAAAAAAAAAAAAAAAAAAAAAAAAAAAAAAAAAAAAAn9/fwDu7OEDzMzMAMDA/wB/f38AAAAAAAAAAAAAAAAAAAAAAAAAAAAhAAAAGAAAABQAAADqAQAA4DgAAPAKAACYOgAAEAAAACYAAAAIAAAAAQAAAAAAAAA="/>
+                <pr:smNativeData xmlns="" xmlns:p14="http://schemas.microsoft.com/office/powerpoint/2010/main" xmlns:pr="smNativeData" val="SMDATA_13_ec9PYBMAAAAlAAAAZAAAAA0AAAAAAAAAAAAAAAAAAAAAAAAAAAAAAAAAAAAAAAAAAAEAAABQAAAAAAAAAAAA4D8AAAAAAADgPwAAAAAAAOA/AAAAAAAA4D8AAAAAAADgPwAAAAAAAOA/AAAAAAAA4D8AAAAAAADgPwAAAAAAAOA/AAAAAAAA4D8CAAAAjAAAAAAAAAAAAAAAT4G9DP///wgAAAAAAAAAAAAAAAAAAAAAAAAAAAAAAAAAAAAAZAAAAAEAAABAAAAAAAAAAAAAAAAAAAAAAAAAAAAAAAAAAAAAAAAAAAAAAAAAAAAAAAAAAAAAAAAAAAAAAAAAAAAAAAAAAAAAAAAAAAAAAAAAAAAAAAAAAAAAAAAAAAAAFAAAADwAAAAAAAAAAAAAAAAAAAkUAAAAAQAAABQAAAAUAAAAFAAAAAEAAAAAAAAAZAAAAGQAAAAAAAAAZAAAAGQAAAAVAAAAYAAAAAAAAAAAAAAADwAAACADAAAAAAAAAAAAAAEAAACgMgAAVgcAAKr4//8BAAAAf39/AAEAAABkAAAAAAAAABQAAABAHwAAAAAAACYAAAAAAAAAwOD//wAAAAAmAAAAZAAAABYAAABMAAAAAAAAAAAAAAAEAAAAAAAAAAEAAADu7OEKAAAAACgAAAAoAAAAZAAAAGQAAAAAAAAAzMzMAAAAAABQAAAAUAAAAGQAAABkAAAAAAAAABcAAAAUAAAAAAAAAAAAAAD/fwAA/38AAAAAAAAJAAAABAAAAGwAAAAMAAAAEAAAAAAAAAAAAAAAAAAAAAAAAAAeAAAAaAAAAAAAAAAAAAAAAAAAAAAAAAAAAAAAECcAABAnAAAAAAAAAAAAAAAAAAAAAAAAAAAAAAAAAAAAAAAAAAAAABQAAAAAAAAAwMD/AAAAAABkAAAAMgAAAAAAAABkAAAAAAAAAH9/fwAKAAAAHwAAAFQAAABPgb0F////AQAAAAAAAAAAAAAAAAAAAAAAAAAAAAAAAAAAAAAAAAAAAAAAAn9/fwDu7OEDzMzMAMDA/wB/f38AAAAAAAAAAAAAAAAAAAAAAAAAAAAhAAAAGAAAABQAAADqAQAA4DgAAPAKAACYOgAAEAAAACYAAAAIAAAAAQAAAAAAAAA="/>
               </a:ext>
             </a:extLst>
           </p:cNvSpPr>
@@ -5652,7 +5597,7 @@
             <a:spLocks noGrp="1" noChangeArrowheads="1"/>
             <a:extLst>
               <a:ext uri="smNativeData">
-                <pr:smNativeData xmlns:pr="smNativeData" val="SMDATA_13_ec9PYBMAAAAlAAAAZAAAAA0AAAAAAAAAAAAAAAAAAAAAAAAAAAAAAAAAAAAAAAAAAAEAAABQAAAAAAAAAAAA4D8AAAAAAADgPwAAAAAAAOA/AAAAAAAA4D8AAAAAAADgPwAAAAAAAOA/AAAAAAAA4D8AAAAAAADgPwAAAAAAAOA/AAAAAAAA4D8CAAAAjAAAAAAAAAAAAAAAT4G9DP///wgAAAAAAAAAAAAAAAAAAAAAAAAAAAAAAAAAAAAAZAAAAAEAAABAAAAAAAAAAAAAAAAAAAAAAAAAAAAAAAAAAAAAAAAAAAAAAAAAAAAAAAAAAAAAAAAAAAAAAAAAAAAAAAAAAAAAAAAAAAAAAAAAAAAAAAAAAAAAAAAAAAAAFAAAADwAAAAAAAAAAAAAAAAAAAkUAAAAAQAAABQAAAAUAAAAFAAAAAEAAAAAAAAAZAAAAGQAAAAAAAAAZAAAAGQAAAAVAAAAYAAAAAAAAAAAAAAADwAAACADAAAAAAAAAAAAAAEAAACgMgAAVgcAAKr4//8BAAAAf39/AAEAAABkAAAAAAAAABQAAABAHwAAAAAAACYAAAAAAAAAwOD//wAAAAAmAAAAZAAAABYAAABMAAAAAAAAAAAAAAAEAAAAAAAAAAEAAADu7OEKAAAAACgAAAAoAAAAZAAAAGQAAAAAAAAAzMzMAAAAAABQAAAAUAAAAGQAAABkAAAAAAAAABcAAAAUAAAAAAAAAAAAAAD/fwAA/38AAAAAAAAJAAAABAAAAAAAAAAMAAAAEAAAAAAAAAAAAAAAAAAAAAAAAAAeAAAAaAAAAAAAAAAAAAAAAAAAAAAAAAAAAAAAECcAABAnAAAAAAAAAAAAAAAAAAAAAAAAAAAAAAAAAAAAAAAAAAAAABQAAAAAAAAAwMD/AAAAAABkAAAAMgAAAAAAAABkAAAAAAAAAH9/fwAKAAAAHwAAAFQAAABPgb0F////AQAAAAAAAAAAAAAAAAAAAAAAAAAAAAAAAAAAAAAAAAAAAAAAAn9/fwDu7OEDzMzMAMDA/wB/f38AAAAAAAAAAAAAAAAAAAAAAAAAAAAhAAAAGAAAABQAAADQSAAAGDkAABZOAACYOgAAEAAAACYAAAAIAAAAAAAAAAAAAAA="/>
+                <pr:smNativeData xmlns="" xmlns:p14="http://schemas.microsoft.com/office/powerpoint/2010/main" xmlns:pr="smNativeData" val="SMDATA_13_ec9PYBMAAAAlAAAAZAAAAA0AAAAAAAAAAAAAAAAAAAAAAAAAAAAAAAAAAAAAAAAAAAEAAABQAAAAAAAAAAAA4D8AAAAAAADgPwAAAAAAAOA/AAAAAAAA4D8AAAAAAADgPwAAAAAAAOA/AAAAAAAA4D8AAAAAAADgPwAAAAAAAOA/AAAAAAAA4D8CAAAAjAAAAAAAAAAAAAAAT4G9DP///wgAAAAAAAAAAAAAAAAAAAAAAAAAAAAAAAAAAAAAZAAAAAEAAABAAAAAAAAAAAAAAAAAAAAAAAAAAAAAAAAAAAAAAAAAAAAAAAAAAAAAAAAAAAAAAAAAAAAAAAAAAAAAAAAAAAAAAAAAAAAAAAAAAAAAAAAAAAAAAAAAAAAAFAAAADwAAAAAAAAAAAAAAAAAAAkUAAAAAQAAABQAAAAUAAAAFAAAAAEAAAAAAAAAZAAAAGQAAAAAAAAAZAAAAGQAAAAVAAAAYAAAAAAAAAAAAAAADwAAACADAAAAAAAAAAAAAAEAAACgMgAAVgcAAKr4//8BAAAAf39/AAEAAABkAAAAAAAAABQAAABAHwAAAAAAACYAAAAAAAAAwOD//wAAAAAmAAAAZAAAABYAAABMAAAAAAAAAAAAAAAEAAAAAAAAAAEAAADu7OEKAAAAACgAAAAoAAAAZAAAAGQAAAAAAAAAzMzMAAAAAABQAAAAUAAAAGQAAABkAAAAAAAAABcAAAAUAAAAAAAAAAAAAAD/fwAA/38AAAAAAAAJAAAABAAAAEgDAAAMAAAAEAAAAAAAAAAAAAAAAAAAAAAAAAAeAAAAaAAAAAAAAAAAAAAAAAAAAAAAAAAAAAAAECcAABAnAAAAAAAAAAAAAAAAAAAAAAAAAAAAAAAAAAAAAAAAAAAAABQAAAAAAAAAwMD/AAAAAABkAAAAMgAAAAAAAABkAAAAAAAAAH9/fwAKAAAAHwAAAFQAAABPgb0F////AQAAAAAAAAAAAAAAAAAAAAAAAAAAAAAAAAAAAAAAAAAAAAAAAn9/fwDu7OEDzMzMAMDA/wB/f38AAAAAAAAAAAAAAAAAAAAAAAAAAAAhAAAAGAAAABQAAADQSAAAGDkAABZOAACYOgAAEAAAACYAAAAIAAAAAAAAAAAAAAA="/>
               </a:ext>
             </a:extLst>
           </p:cNvSpPr>
@@ -5668,29 +5613,136 @@
             <a:pPr>
               <a:defRPr lang="de-de"/>
             </a:pPr>
-            <a:fld id="{3DD8F165-2BD0-8D07-9E60-DD52BF2E6888}" type="slidenum">
-              <a:t>4</a:t>
+            <a:fld id="{470D4CB7-F9AA-58BA-E4B5-0FEF02FB125A}" type="slidenum">
+              <a:t>12</a:t>
             </a:fld>
-          </a:p>
-        </p:txBody>
-      </p:sp>
+            <a:endParaRPr/>
+          </a:p>
+        </p:txBody>
+      </p:sp>
+      <p:pic>
+        <p:nvPicPr>
+          <p:cNvPr id="7" name="Picture 6">
+            <a:extLst>
+              <a:ext uri="{FF2B5EF4-FFF2-40B4-BE49-F238E27FC236}">
+                <a16:creationId xmlns:a16="http://schemas.microsoft.com/office/drawing/2014/main" id="{3A39AD43-045B-43EF-BA41-318FAB3D2AE2}"/>
+              </a:ext>
+            </a:extLst>
+          </p:cNvPr>
+          <p:cNvPicPr>
+            <a:picLocks noChangeAspect="1"/>
+          </p:cNvPicPr>
+          <p:nvPr/>
+        </p:nvPicPr>
+        <p:blipFill>
+          <a:blip r:embed="rId2">
+            <a:extLst>
+              <a:ext uri="{28A0092B-C50C-407E-A947-70E740481C1C}">
+                <a14:useLocalDpi xmlns:a14="http://schemas.microsoft.com/office/drawing/2010/main" val="0"/>
+              </a:ext>
+            </a:extLst>
+          </a:blip>
+          <a:stretch>
+            <a:fillRect/>
+          </a:stretch>
+        </p:blipFill>
+        <p:spPr>
+          <a:xfrm>
+            <a:off x="9360497" y="2724150"/>
+            <a:ext cx="2904528" cy="2904528"/>
+          </a:xfrm>
+          <a:prstGeom prst="rect">
+            <a:avLst/>
+          </a:prstGeom>
+        </p:spPr>
+      </p:pic>
+      <p:pic>
+        <p:nvPicPr>
+          <p:cNvPr id="9" name="Picture 8">
+            <a:extLst>
+              <a:ext uri="{FF2B5EF4-FFF2-40B4-BE49-F238E27FC236}">
+                <a16:creationId xmlns:a16="http://schemas.microsoft.com/office/drawing/2014/main" id="{7B8B1681-37D2-4A0B-A3AF-0382BF1B19B5}"/>
+              </a:ext>
+            </a:extLst>
+          </p:cNvPr>
+          <p:cNvPicPr>
+            <a:picLocks noChangeAspect="1"/>
+          </p:cNvPicPr>
+          <p:nvPr/>
+        </p:nvPicPr>
+        <p:blipFill>
+          <a:blip r:embed="rId3">
+            <a:extLst>
+              <a:ext uri="{28A0092B-C50C-407E-A947-70E740481C1C}">
+                <a14:useLocalDpi xmlns:a14="http://schemas.microsoft.com/office/drawing/2010/main" val="0"/>
+              </a:ext>
+            </a:extLst>
+          </a:blip>
+          <a:stretch>
+            <a:fillRect/>
+          </a:stretch>
+        </p:blipFill>
+        <p:spPr>
+          <a:xfrm>
+            <a:off x="5998847" y="2724150"/>
+            <a:ext cx="2904528" cy="2904528"/>
+          </a:xfrm>
+          <a:prstGeom prst="rect">
+            <a:avLst/>
+          </a:prstGeom>
+        </p:spPr>
+      </p:pic>
+      <p:pic>
+        <p:nvPicPr>
+          <p:cNvPr id="11" name="Picture 10">
+            <a:extLst>
+              <a:ext uri="{FF2B5EF4-FFF2-40B4-BE49-F238E27FC236}">
+                <a16:creationId xmlns:a16="http://schemas.microsoft.com/office/drawing/2014/main" id="{764B30FC-8312-4728-BA11-03AAF9A60342}"/>
+              </a:ext>
+            </a:extLst>
+          </p:cNvPr>
+          <p:cNvPicPr>
+            <a:picLocks noChangeAspect="1"/>
+          </p:cNvPicPr>
+          <p:nvPr/>
+        </p:nvPicPr>
+        <p:blipFill>
+          <a:blip r:embed="rId4">
+            <a:extLst>
+              <a:ext uri="{28A0092B-C50C-407E-A947-70E740481C1C}">
+                <a14:useLocalDpi xmlns:a14="http://schemas.microsoft.com/office/drawing/2010/main" val="0"/>
+              </a:ext>
+            </a:extLst>
+          </a:blip>
+          <a:stretch>
+            <a:fillRect/>
+          </a:stretch>
+        </p:blipFill>
+        <p:spPr>
+          <a:xfrm>
+            <a:off x="7679672" y="5610231"/>
+            <a:ext cx="2904529" cy="2904529"/>
+          </a:xfrm>
+          <a:prstGeom prst="rect">
+            <a:avLst/>
+          </a:prstGeom>
+        </p:spPr>
+      </p:pic>
     </p:spTree>
+    <p:extLst>
+      <p:ext uri="{BB962C8B-B14F-4D97-AF65-F5344CB8AC3E}">
+        <p14:creationId xmlns:p14="http://schemas.microsoft.com/office/powerpoint/2010/main" val="925941194"/>
+      </p:ext>
+    </p:extLst>
   </p:cSld>
   <p:clrMapOvr>
     <a:masterClrMapping/>
   </p:clrMapOvr>
-  <p:timing>
-    <p:tnLst>
-      <p:par>
-        <p:cTn id="1" dur="indefinite" restart="never" nodeType="tmRoot"/>
-      </p:par>
-    </p:tnLst>
-  </p:timing>
 </p:sld>
 </file>
 
-<file path=ppt/slides/slide5.xml><?xml version="1.0" encoding="utf-8"?>
-<p:sld xmlns:p="http://schemas.openxmlformats.org/presentationml/2006/main" xmlns:p14="http://schemas.microsoft.com/office/powerpoint/2010/main" xmlns:r="http://schemas.openxmlformats.org/officeDocument/2006/relationships" xmlns:a="http://schemas.openxmlformats.org/drawingml/2006/main">
+<file path=ppt/slides/slide13.xml><?xml version="1.0" encoding="utf-8"?>
+<p:sld xmlns:a="http://schemas.openxmlformats.org/drawingml/2006/main" xmlns:r="http://schemas.openxmlformats.org/officeDocument/2006/relationships" xmlns:p="http://schemas.openxmlformats.org/presentationml/2006/main">
   <p:cSld>
     <p:spTree>
       <p:nvGrpSpPr>
@@ -5713,7 +5765,7 @@
             <a:spLocks noGrp="1" noChangeArrowheads="1"/>
             <a:extLst>
               <a:ext uri="smNativeData">
-                <pr:smNativeData xmlns:pr="smNativeData" val="SMDATA_13_ec9PYBMAAAAlAAAAZAAAAE0AAAAAAAAAAAAAAAAAAAAAAAAAAAAAAAAAAAAAAAAAAAEAAABQAAAAAAAAAAAA4D8AAAAAAADgPwAAAAAAAOA/AAAAAAAA4D8AAAAAAADgPwAAAAAAAOA/AAAAAAAA4D8AAAAAAADgPwAAAAAAAOA/AAAAAAAA4D8CAAAAjAAAAAAAAAAAAAAAT4G9DP///wgAAAAAAAAAAAAAAAAAAAAAAAAAAAAAAAAAAAAAZAAAAAEAAABAAAAAAAAAAAAAAAAAAAAAAAAAAAAAAAAAAAAAAAAAAAAAAAAAAAAAAAAAAAAAAAAAAAAAAAAAAAAAAAAAAAAAAAAAAAAAAAAAAAAAAAAAAAAAAAAAAAAAFAAAADwAAAAAAAAAAAAAAAAAAAkUAAAAAQAAABQAAAAUAAAAFAAAAAEAAAAAAAAAZAAAAGQAAAAAAAAAZAAAAGQAAAAVAAAAYAAAAAAAAAAAAAAADwAAACADAAAAAAAAAAAAAAEAAACgMgAAVgcAAKr4//8BAAAAf39/AAEAAABkAAAAAAAAABQAAABAHwAAAAAAACYAAAAAAAAAwOD//wAAAAAmAAAAZAAAABYAAABMAAAAAAAAAAAAAAAEAAAAAAAAAAEAAADu7OEKAAAAACgAAAAoAAAAZAAAAGQAAAAAAAAAzMzMAAAAAABQAAAAUAAAAGQAAABkAAAAAAAAABcAAAAUAAAAAAAAAAAAAAD/fwAA/38AAAAAAAAJAAAABAAAAAAAAAAMAAAAEAAAAAAAAAAAAAAAAAAAAAAAAAAeAAAAaAAAAAAAAAAAAAAAAAAAAAAAAAAAAAAAECcAABAnAAAAAAAAAAAAAAAAAAAAAAAAAAAAAAAAAAAAAAAAAAAAABQAAAAAAAAAwMD/AAAAAABkAAAAMgAAAAAAAABkAAAAAAAAAH9/fwAKAAAAHwAAAFQAAABPgb0F////AQAAAAAAAAAAAAAAAAAAAAAAAAAAAAAAAAAAAAAAAAAAAAAAAn9/fwDu7OEDzMzMAMDA/wB/f38AAAAAAAAAAAAAAAAAAAAAAAAAAAAhAAAAGAAAABQAAADIBQAAiQsAAHpIAACpDwAAACAAACYAAAAIAAAAAQAAAAAAAAA="/>
+                <pr:smNativeData xmlns:pr="smNativeData" xmlns:p14="http://schemas.microsoft.com/office/powerpoint/2010/main" xmlns="" val="SMDATA_13_ec9PYBMAAAAlAAAAZAAAAE0AAAAAAAAAAAAAAAAAAAAAAAAAAAAAAAAAAAAAAAAAAAEAAABQAAAAAAAAAAAA4D8AAAAAAADgPwAAAAAAAOA/AAAAAAAA4D8AAAAAAADgPwAAAAAAAOA/AAAAAAAA4D8AAAAAAADgPwAAAAAAAOA/AAAAAAAA4D8CAAAAjAAAAAAAAAAAAAAAT4G9DP///wgAAAAAAAAAAAAAAAAAAAAAAAAAAAAAAAAAAAAAZAAAAAEAAABAAAAAAAAAAAAAAAAAAAAAAAAAAAAAAAAAAAAAAAAAAAAAAAAAAAAAAAAAAAAAAAAAAAAAAAAAAAAAAAAAAAAAAAAAAAAAAAAAAAAAAAAAAAAAAAAAAAAAFAAAADwAAAAAAAAAAAAAAAAAAAkUAAAAAQAAABQAAAAUAAAAFAAAAAEAAAAAAAAAZAAAAGQAAAAAAAAAZAAAAGQAAAAVAAAAYAAAAAAAAAAAAAAADwAAACADAAAAAAAAAAAAAAEAAACgMgAAVgcAAKr4//8BAAAAf39/AAEAAABkAAAAAAAAABQAAABAHwAAAAAAACYAAAAAAAAAwOD//wAAAAAmAAAAZAAAABYAAABMAAAAAAAAAAAAAAAEAAAAAAAAAAEAAADu7OEKAAAAACgAAAAoAAAAZAAAAGQAAAAAAAAAzMzMAAAAAABQAAAAUAAAAGQAAABkAAAAAAAAABcAAAAUAAAAAAAAAAAAAAD/fwAA/38AAAAAAAAJAAAABAAAAAAAAAAMAAAAEAAAAAAAAAAAAAAAAAAAAAAAAAAeAAAAaAAAAAAAAAAAAAAAAAAAAAAAAAAAAAAAECcAABAnAAAAAAAAAAAAAAAAAAAAAAAAAAAAAAAAAAAAAAAAAAAAABQAAAAAAAAAwMD/AAAAAABkAAAAMgAAAAAAAABkAAAAAAAAAH9/fwAKAAAAHwAAAFQAAABPgb0F////AQAAAAAAAAAAAAAAAAAAAAAAAAAAAAAAAAAAAAAAAAAAAAAAAn9/fwDu7OEDzMzMAMDA/wB/f38AAAAAAAAAAAAAAAAAAAAAAAAAAAAhAAAAGAAAABQAAADIBQAAiQsAAHpIAACpDwAAACAAACYAAAAIAAAAAQAAAAAAAAA="/>
               </a:ext>
             </a:extLst>
           </p:cNvSpPr>
@@ -5735,7 +5787,16 @@
               <a:defRPr lang="en-gb"/>
             </a:pPr>
             <a:r>
-              <a:t>Approach</a:t>
+              <a:rPr dirty="0"/>
+              <a:t>Approach </a:t>
+            </a:r>
+            <a:r>
+              <a:rPr lang="en-GB" dirty="0"/>
+              <a:t>–</a:t>
+            </a:r>
+            <a:r>
+              <a:rPr dirty="0"/>
+              <a:t> Watch face application </a:t>
             </a:r>
           </a:p>
         </p:txBody>
@@ -5747,7 +5808,7 @@
             <a:spLocks noGrp="1" noChangeArrowheads="1"/>
             <a:extLst>
               <a:ext uri="smNativeData">
-                <pr:smNativeData xmlns:pr="smNativeData" val="SMDATA_13_ec9PYBMAAAAlAAAAZAAAAE0AAAAAAAAAAAAAAAAAAAAAAAAAAAAAAAAAAAAAAAAAAAEAAABQAAAAAAAAAAAA4D8AAAAAAADgPwAAAAAAAOA/AAAAAAAA4D8AAAAAAADgPwAAAAAAAOA/AAAAAAAA4D8AAAAAAADgPwAAAAAAAOA/AAAAAAAA4D8CAAAAjAAAAAAAAAAAAAAAT4G9DP///wgAAAAAAAAAAAAAAAAAAAAAAAAAAAAAAAAAAAAAZAAAAAEAAABAAAAAAAAAAAAAAAAAAAAAAAAAAAAAAAAAAAAAAAAAAAAAAAAAAAAAAAAAAAAAAAAAAAAAAAAAAAAAAAAAAAAAAAAAAAAAAAAAAAAAAAAAAAAAAAAAAAAAFAAAADwAAAAAAAAAAAAAAAAAAAkUAAAAAQAAABQAAAAUAAAAFAAAAAEAAAAAAAAAZAAAAGQAAAAAAAAAZAAAAGQAAAAVAAAAYAAAAAAAAAAAAAAADwAAACADAAAAAAAAAAAAAAEAAACgMgAAVgcAAKr4//8BAAAAf39/AAEAAABkAAAAAAAAABQAAABAHwAAAAAAACYAAAAAAAAAwOD//wAAAAAmAAAAZAAAABYAAABMAAAAAAAAAAAAAAAEAAAAAAAAAAEAAADu7OEKAAAAACgAAAAoAAAAZAAAAGQAAAAAAAAAzMzMAAAAAABQAAAAUAAAAGQAAABkAAAAAAAAABcAAAAUAAAAAAAAAAAAAAD/fwAA/38AAAAAAAAJAAAABAAAAL4FAAAMAAAAEAAAAAAAAAAAAAAAAAAAAAAAAAAeAAAAaAAAAAAAAAAAAAAAAAAAAAAAAAAAAAAAECcAABAnAAAAAAAAAAAAAAAAAAAAAAAAAAAAAAAAAAAAAAAAAAAAABQAAAAAAAAAwMD/AAAAAABkAAAAMgAAAAAAAABkAAAAAAAAAH9/fwAKAAAAHwAAAFQAAABPgb0F////AQAAAAAAAAAAAAAAAAAAAAAAAAAAAAAAAAAAAAAAAAAAAAAAAn9/fwDu7OEDzMzMAMDA/wB/f38AAAAAAAAAAAAAAAAAAAAAAAAAAAAhAAAAGAAAABQAAADIBQAAwBIAAHpIAACQGwAAACAAACYAAAAIAAAAAYAAAAAAAAA="/>
+                <pr:smNativeData xmlns:pr="smNativeData" xmlns:p14="http://schemas.microsoft.com/office/powerpoint/2010/main" xmlns="" val="SMDATA_13_ec9PYBMAAAAlAAAAZAAAAE0AAAAAAAAAAAAAAAAAAAAAAAAAAAAAAAAAAAAAAAAAAAEAAABQAAAAAAAAAAAA4D8AAAAAAADgPwAAAAAAAOA/AAAAAAAA4D8AAAAAAADgPwAAAAAAAOA/AAAAAAAA4D8AAAAAAADgPwAAAAAAAOA/AAAAAAAA4D8CAAAAjAAAAAAAAAAAAAAAT4G9DP///wgAAAAAAAAAAAAAAAAAAAAAAAAAAAAAAAAAAAAAZAAAAAEAAABAAAAAAAAAAAAAAAAAAAAAAAAAAAAAAAAAAAAAAAAAAAAAAAAAAAAAAAAAAAAAAAAAAAAAAAAAAAAAAAAAAAAAAAAAAAAAAAAAAAAAAAAAAAAAAAAAAAAAFAAAADwAAAAAAAAAAAAAAAAAAAkUAAAAAQAAABQAAAAUAAAAFAAAAAEAAAAAAAAAZAAAAGQAAAAAAAAAZAAAAGQAAAAVAAAAYAAAAAAAAAAAAAAADwAAACADAAAAAAAAAAAAAAEAAACgMgAAVgcAAKr4//8BAAAAf39/AAEAAABkAAAAAAAAABQAAABAHwAAAAAAACYAAAAAAAAAwOD//wAAAAAmAAAAZAAAABYAAABMAAAAAAAAAAAAAAAEAAAAAAAAAAEAAADu7OEKAAAAACgAAAAoAAAAZAAAAGQAAAAAAAAAzMzMAAAAAABQAAAAUAAAAGQAAABkAAAAAAAAABcAAAAUAAAAAAAAAAAAAAD/fwAA/38AAAAAAAAJAAAABAAAAL4FAAAMAAAAEAAAAAAAAAAAAAAAAAAAAAAAAAAeAAAAaAAAAAAAAAAAAAAAAAAAAAAAAAAAAAAAECcAABAnAAAAAAAAAAAAAAAAAAAAAAAAAAAAAAAAAAAAAAAAAAAAABQAAAAAAAAAwMD/AAAAAABkAAAAMgAAAAAAAABkAAAAAAAAAH9/fwAKAAAAHwAAAFQAAABPgb0F////AQAAAAAAAAAAAAAAAAAAAAAAAAAAAAAAAAAAAAAAAAAAAAAAAn9/fwDu7OEDzMzMAMDA/wB/f38AAAAAAAAAAAAAAAAAAAAAAAAAAAAhAAAAGAAAABQAAADIBQAAwBIAAHpIAACQGwAAACAAACYAAAAIAAAAAYAAAAAAAAA="/>
               </a:ext>
             </a:extLst>
           </p:cNvSpPr>
@@ -5775,7 +5836,7 @@
                 <a:schemeClr val="accent1"/>
               </a:buClr>
               <a:buSzPts val="2910"/>
-              <a:buFont typeface="Wingdings" pitchFamily="0" charset="0"/>
+              <a:buFont typeface="Wingdings" charset="0"/>
               <a:buChar char="§"/>
               <a:tabLst/>
               <a:defRPr lang="de-de" sz="2800" b="0" i="0" baseline="0">
@@ -5806,7 +5867,7 @@
               <a:lnSpc>
                 <a:spcPct val="150000"/>
               </a:lnSpc>
-              <a:buFont typeface="Wingdings" pitchFamily="0" charset="0"/>
+              <a:buFont typeface="Wingdings" charset="0"/>
               <a:buChar char="§"/>
               <a:defRPr lang="de-de" sz="2000" b="0" i="0" baseline="0">
                 <a:solidFill>
@@ -5840,12 +5901,26 @@
             <a:pPr>
               <a:defRPr lang="de-de" b="0"/>
             </a:pPr>
-          </a:p>
-          <a:p>
-            <a:pPr>
-              <a:defRPr lang="de-de"/>
-            </a:pPr>
-            <a:endParaRPr lang="en-gb"/>
+            <a:r>
+              <a:rPr dirty="0"/>
+              <a:t>Normal mode</a:t>
+            </a:r>
+          </a:p>
+          <a:p>
+            <a:pPr>
+              <a:defRPr lang="de-de" b="0"/>
+            </a:pPr>
+            <a:r>
+              <a:rPr lang="de-DE" dirty="0"/>
+              <a:t>Ambient mode</a:t>
+            </a:r>
+            <a:endParaRPr dirty="0"/>
+          </a:p>
+          <a:p>
+            <a:pPr>
+              <a:defRPr lang="de-de"/>
+            </a:pPr>
+            <a:endParaRPr lang="en-gb" dirty="0"/>
           </a:p>
         </p:txBody>
       </p:sp>
@@ -5856,7 +5931,7 @@
             <a:spLocks noGrp="1" noChangeArrowheads="1"/>
             <a:extLst>
               <a:ext uri="smNativeData">
-                <pr:smNativeData xmlns:pr="smNativeData" val="SMDATA_13_ec9PYBMAAAAlAAAAZAAAAA0AAAAAAAAAAAAAAAAAAAAAAAAAAAAAAAAAAAAAAAAAAAEAAABQAAAAAAAAAAAA4D8AAAAAAADgPwAAAAAAAOA/AAAAAAAA4D8AAAAAAADgPwAAAAAAAOA/AAAAAAAA4D8AAAAAAADgPwAAAAAAAOA/AAAAAAAA4D8CAAAAjAAAAAAAAAAAAAAAT4G9DP///wgAAAAAAAAAAAAAAAAAAAAAAAAAAAAAAAAAAAAAZAAAAAEAAABAAAAAAAAAAAAAAAAAAAAAAAAAAAAAAAAAAAAAAAAAAAAAAAAAAAAAAAAAAAAAAAAAAAAAAAAAAAAAAAAAAAAAAAAAAAAAAAAAAAAAAAAAAAAAAAAAAAAAFAAAADwAAAAAAAAAAAAAAAAAAAkUAAAAAQAAABQAAAAUAAAAFAAAAAEAAAAAAAAAZAAAAGQAAAAAAAAAZAAAAGQAAAAVAAAAYAAAAAAAAAAAAAAADwAAACADAAAAAAAAAAAAAAEAAACgMgAAVgcAAKr4//8BAAAAf39/AAEAAABkAAAAAAAAABQAAABAHwAAAAAAACYAAAAAAAAAwOD//wAAAAAmAAAAZAAAABYAAABMAAAAAAAAAAAAAAAEAAAAAAAAAAEAAADu7OEKAAAAACgAAAAoAAAAZAAAAGQAAAAAAAAAzMzMAAAAAABQAAAAUAAAAGQAAABkAAAAAAAAABcAAAAUAAAAAAAAAAAAAAD/fwAA/38AAAAAAAAJAAAABAAAAGwAAAAMAAAAEAAAAAAAAAAAAAAAAAAAAAAAAAAeAAAAaAAAAAAAAAAAAAAAAAAAAAAAAAAAAAAAECcAABAnAAAAAAAAAAAAAAAAAAAAAAAAAAAAAAAAAAAAAAAAAAAAABQAAAAAAAAAwMD/AAAAAABkAAAAMgAAAAAAAABkAAAAAAAAAH9/fwAKAAAAHwAAAFQAAABPgb0F////AQAAAAAAAAAAAAAAAAAAAAAAAAAAAAAAAAAAAAAAAAAAAAAAAn9/fwDu7OEDzMzMAMDA/wB/f38AAAAAAAAAAAAAAAAAAAAAAAAAAAAhAAAAGAAAABQAAADqAQAA4DgAAPAKAACYOgAAEAAAACYAAAAIAAAAAQAAAAAAAAA="/>
+                <pr:smNativeData xmlns:pr="smNativeData" xmlns:p14="http://schemas.microsoft.com/office/powerpoint/2010/main" xmlns="" val="SMDATA_13_ec9PYBMAAAAlAAAAZAAAAA0AAAAAAAAAAAAAAAAAAAAAAAAAAAAAAAAAAAAAAAAAAAEAAABQAAAAAAAAAAAA4D8AAAAAAADgPwAAAAAAAOA/AAAAAAAA4D8AAAAAAADgPwAAAAAAAOA/AAAAAAAA4D8AAAAAAADgPwAAAAAAAOA/AAAAAAAA4D8CAAAAjAAAAAAAAAAAAAAAT4G9DP///wgAAAAAAAAAAAAAAAAAAAAAAAAAAAAAAAAAAAAAZAAAAAEAAABAAAAAAAAAAAAAAAAAAAAAAAAAAAAAAAAAAAAAAAAAAAAAAAAAAAAAAAAAAAAAAAAAAAAAAAAAAAAAAAAAAAAAAAAAAAAAAAAAAAAAAAAAAAAAAAAAAAAAFAAAADwAAAAAAAAAAAAAAAAAAAkUAAAAAQAAABQAAAAUAAAAFAAAAAEAAAAAAAAAZAAAAGQAAAAAAAAAZAAAAGQAAAAVAAAAYAAAAAAAAAAAAAAADwAAACADAAAAAAAAAAAAAAEAAACgMgAAVgcAAKr4//8BAAAAf39/AAEAAABkAAAAAAAAABQAAABAHwAAAAAAACYAAAAAAAAAwOD//wAAAAAmAAAAZAAAABYAAABMAAAAAAAAAAAAAAAEAAAAAAAAAAEAAADu7OEKAAAAACgAAAAoAAAAZAAAAGQAAAAAAAAAzMzMAAAAAABQAAAAUAAAAGQAAABkAAAAAAAAABcAAAAUAAAAAAAAAAAAAAD/fwAA/38AAAAAAAAJAAAABAAAAGwAAAAMAAAAEAAAAAAAAAAAAAAAAAAAAAAAAAAeAAAAaAAAAAAAAAAAAAAAAAAAAAAAAAAAAAAAECcAABAnAAAAAAAAAAAAAAAAAAAAAAAAAAAAAAAAAAAAAAAAAAAAABQAAAAAAAAAwMD/AAAAAABkAAAAMgAAAAAAAABkAAAAAAAAAH9/fwAKAAAAHwAAAFQAAABPgb0F////AQAAAAAAAAAAAAAAAAAAAAAAAAAAAAAAAAAAAAAAAAAAAAAAAn9/fwDu7OEDzMzMAMDA/wB/f38AAAAAAAAAAAAAAAAAAAAAAAAAAAAhAAAAGAAAABQAAADqAQAA4DgAAPAKAACYOgAAEAAAACYAAAAIAAAAAQAAAAAAAAA="/>
               </a:ext>
             </a:extLst>
           </p:cNvSpPr>
@@ -5890,7 +5965,7 @@
             <a:spLocks noGrp="1" noChangeArrowheads="1"/>
             <a:extLst>
               <a:ext uri="smNativeData">
-                <pr:smNativeData xmlns:pr="smNativeData" val="SMDATA_13_ec9PYBMAAAAlAAAAZAAAAA0AAAAAAAAAAAAAAAAAAAAAAAAAAAAAAAAAAAAAAAAAAAEAAABQAAAAAAAAAAAA4D8AAAAAAADgPwAAAAAAAOA/AAAAAAAA4D8AAAAAAADgPwAAAAAAAOA/AAAAAAAA4D8AAAAAAADgPwAAAAAAAOA/AAAAAAAA4D8CAAAAjAAAAAAAAAAAAAAAT4G9DP///wgAAAAAAAAAAAAAAAAAAAAAAAAAAAAAAAAAAAAAZAAAAAEAAABAAAAAAAAAAAAAAAAAAAAAAAAAAAAAAAAAAAAAAAAAAAAAAAAAAAAAAAAAAAAAAAAAAAAAAAAAAAAAAAAAAAAAAAAAAAAAAAAAAAAAAAAAAAAAAAAAAAAAFAAAADwAAAAAAAAAAAAAAAAAAAkUAAAAAQAAABQAAAAUAAAAFAAAAAEAAAAAAAAAZAAAAGQAAAAAAAAAZAAAAGQAAAAVAAAAYAAAAAAAAAAAAAAADwAAACADAAAAAAAAAAAAAAEAAACgMgAAVgcAAKr4//8BAAAAf39/AAEAAABkAAAAAAAAABQAAABAHwAAAAAAACYAAAAAAAAAwOD//wAAAAAmAAAAZAAAABYAAABMAAAAAAAAAAAAAAAEAAAAAAAAAAEAAADu7OEKAAAAACgAAAAoAAAAZAAAAGQAAAAAAAAAzMzMAAAAAABQAAAAUAAAAGQAAABkAAAAAAAAABcAAAAUAAAAAAAAAAAAAAD/fwAA/38AAAAAAAAJAAAABAAAAEgDAAAMAAAAEAAAAAAAAAAAAAAAAAAAAAAAAAAeAAAAaAAAAAAAAAAAAAAAAAAAAAAAAAAAAAAAECcAABAnAAAAAAAAAAAAAAAAAAAAAAAAAAAAAAAAAAAAAAAAAAAAABQAAAAAAAAAwMD/AAAAAABkAAAAMgAAAAAAAABkAAAAAAAAAH9/fwAKAAAAHwAAAFQAAABPgb0F////AQAAAAAAAAAAAAAAAAAAAAAAAAAAAAAAAAAAAAAAAAAAAAAAAn9/fwDu7OEDzMzMAMDA/wB/f38AAAAAAAAAAAAAAAAAAAAAAAAAAAAhAAAAGAAAABQAAADQSAAAGDkAABZOAACYOgAAEAAAACYAAAAIAAAAAAAAAAAAAAA="/>
+                <pr:smNativeData xmlns:pr="smNativeData" xmlns:p14="http://schemas.microsoft.com/office/powerpoint/2010/main" xmlns="" val="SMDATA_13_ec9PYBMAAAAlAAAAZAAAAA0AAAAAAAAAAAAAAAAAAAAAAAAAAAAAAAAAAAAAAAAAAAEAAABQAAAAAAAAAAAA4D8AAAAAAADgPwAAAAAAAOA/AAAAAAAA4D8AAAAAAADgPwAAAAAAAOA/AAAAAAAA4D8AAAAAAADgPwAAAAAAAOA/AAAAAAAA4D8CAAAAjAAAAAAAAAAAAAAAT4G9DP///wgAAAAAAAAAAAAAAAAAAAAAAAAAAAAAAAAAAAAAZAAAAAEAAABAAAAAAAAAAAAAAAAAAAAAAAAAAAAAAAAAAAAAAAAAAAAAAAAAAAAAAAAAAAAAAAAAAAAAAAAAAAAAAAAAAAAAAAAAAAAAAAAAAAAAAAAAAAAAAAAAAAAAFAAAADwAAAAAAAAAAAAAAAAAAAkUAAAAAQAAABQAAAAUAAAAFAAAAAEAAAAAAAAAZAAAAGQAAAAAAAAAZAAAAGQAAAAVAAAAYAAAAAAAAAAAAAAADwAAACADAAAAAAAAAAAAAAEAAACgMgAAVgcAAKr4//8BAAAAf39/AAEAAABkAAAAAAAAABQAAABAHwAAAAAAACYAAAAAAAAAwOD//wAAAAAmAAAAZAAAABYAAABMAAAAAAAAAAAAAAAEAAAAAAAAAAEAAADu7OEKAAAAACgAAAAoAAAAZAAAAGQAAAAAAAAAzMzMAAAAAABQAAAAUAAAAGQAAABkAAAAAAAAABcAAAAUAAAAAAAAAAAAAAD/fwAA/38AAAAAAAAJAAAABAAAAEgDAAAMAAAAEAAAAAAAAAAAAAAAAAAAAAAAAAAeAAAAaAAAAAAAAAAAAAAAAAAAAAAAAAAAAAAAECcAABAnAAAAAAAAAAAAAAAAAAAAAAAAAAAAAAAAAAAAAAAAAAAAABQAAAAAAAAAwMD/AAAAAABkAAAAMgAAAAAAAABkAAAAAAAAAH9/fwAKAAAAHwAAAFQAAABPgb0F////AQAAAAAAAAAAAAAAAAAAAAAAAAAAAAAAAAAAAAAAAAAAAAAAAn9/fwDu7OEDzMzMAMDA/wB/f38AAAAAAAAAAAAAAAAAAAAAAAAAAAAhAAAAGAAAABQAAADQSAAAGDkAABZOAACYOgAAEAAAACYAAAAIAAAAAAAAAAAAAAA="/>
               </a:ext>
             </a:extLst>
           </p:cNvSpPr>
@@ -5907,28 +5982,27 @@
               <a:defRPr lang="de-de"/>
             </a:pPr>
             <a:fld id="{470D4CB7-F9AA-58BA-E4B5-0FEF02FB125A}" type="slidenum">
-              <a:t>5</a:t>
+              <a:t>13</a:t>
             </a:fld>
+            <a:endParaRPr/>
           </a:p>
         </p:txBody>
       </p:sp>
     </p:spTree>
+    <p:extLst>
+      <p:ext uri="{BB962C8B-B14F-4D97-AF65-F5344CB8AC3E}">
+        <p14:creationId xmlns:p14="http://schemas.microsoft.com/office/powerpoint/2010/main" val="417504112"/>
+      </p:ext>
+    </p:extLst>
   </p:cSld>
   <p:clrMapOvr>
     <a:masterClrMapping/>
   </p:clrMapOvr>
-  <p:timing>
-    <p:tnLst>
-      <p:par>
-        <p:cTn id="1" dur="indefinite" restart="never" nodeType="tmRoot"/>
-      </p:par>
-    </p:tnLst>
-  </p:timing>
 </p:sld>
 </file>
 
-<file path=ppt/slides/slide6.xml><?xml version="1.0" encoding="utf-8"?>
-<p:sld xmlns:p="http://schemas.openxmlformats.org/presentationml/2006/main" xmlns:p14="http://schemas.microsoft.com/office/powerpoint/2010/main" xmlns:r="http://schemas.openxmlformats.org/officeDocument/2006/relationships" xmlns:a="http://schemas.openxmlformats.org/drawingml/2006/main">
+<file path=ppt/slides/slide14.xml><?xml version="1.0" encoding="utf-8"?>
+<p:sld xmlns:a="http://schemas.openxmlformats.org/drawingml/2006/main" xmlns:r="http://schemas.openxmlformats.org/officeDocument/2006/relationships" xmlns:p="http://schemas.openxmlformats.org/presentationml/2006/main">
   <p:cSld>
     <p:spTree>
       <p:nvGrpSpPr>
@@ -5951,7 +6025,7 @@
             <a:spLocks noGrp="1" noChangeArrowheads="1"/>
             <a:extLst>
               <a:ext uri="smNativeData">
-                <pr:smNativeData xmlns:pr="smNativeData" val="SMDATA_13_ec9PYBMAAAAlAAAAZAAAAE0AAAAAAAAAAAAAAAAAAAAAAAAAAAAAAAAAAAAAAAAAAAEAAABQAAAAAAAAAAAA4D8AAAAAAADgPwAAAAAAAOA/AAAAAAAA4D8AAAAAAADgPwAAAAAAAOA/AAAAAAAA4D8AAAAAAADgPwAAAAAAAOA/AAAAAAAA4D8CAAAAjAAAAAAAAAAAAAAAT4G9DP///wgAAAAAAAAAAAAAAAAAAAAAAAAAAAAAAAAAAAAAZAAAAAEAAABAAAAAAAAAAAAAAAAAAAAAAAAAAAAAAAAAAAAAAAAAAAAAAAAAAAAAAAAAAAAAAAAAAAAAAAAAAAAAAAAAAAAAAAAAAAAAAAAAAAAAAAAAAAAAAAAAAAAAFAAAADwAAAAAAAAAAAAAAAAAAAkUAAAAAQAAABQAAAAUAAAAFAAAAAEAAAAAAAAAZAAAAGQAAAAAAAAAZAAAAGQAAAAVAAAAYAAAAAAAAAAAAAAADwAAACADAAAAAAAAAAAAAAEAAACgMgAAVgcAAKr4//8BAAAAf39/AAEAAABkAAAAAAAAABQAAABAHwAAAAAAACYAAAAAAAAAwOD//wAAAAAmAAAAZAAAABYAAABMAAAAAAAAAAAAAAAEAAAAAAAAAAEAAADu7OEKAAAAACgAAAAoAAAAZAAAAGQAAAAAAAAAzMzMAAAAAABQAAAAUAAAAGQAAABkAAAAAAAAABcAAAAUAAAAAAAAAAAAAAD/fwAA/38AAAAAAAAJAAAABAAAALEDAAAMAAAAEAAAAAAAAAAAAAAAAAAAAAAAAAAeAAAAaAAAAAAAAAAAAAAAAAAAAAAAAAAAAAAAECcAABAnAAAAAAAAAAAAAAAAAAAAAAAAAAAAAAAAAAAAAAAAAAAAABQAAAAAAAAAwMD/AAAAAABkAAAAMgAAAAAAAABkAAAAAAAAAH9/fwAKAAAAHwAAAFQAAABPgb0F////AQAAAAAAAAAAAAAAAAAAAAAAAAAAAAAAAAAAAAAAAAAAAAAAAn9/fwDu7OEDzMzMAMDA/wB/f38AAAAAAAAAAAAAAAAAAAAAAAAAAAAhAAAAGAAAABQAAADIBQAAiQsAAHpIAACpDwAAACAAACYAAAAIAAAAAQAAAAAAAAA="/>
+                <pr:smNativeData xmlns:pr="smNativeData" xmlns:p14="http://schemas.microsoft.com/office/powerpoint/2010/main" xmlns="" val="SMDATA_13_ec9PYBMAAAAlAAAAZAAAAE0AAAAAAAAAAAAAAAAAAAAAAAAAAAAAAAAAAAAAAAAAAAEAAABQAAAAAAAAAAAA4D8AAAAAAADgPwAAAAAAAOA/AAAAAAAA4D8AAAAAAADgPwAAAAAAAOA/AAAAAAAA4D8AAAAAAADgPwAAAAAAAOA/AAAAAAAA4D8CAAAAjAAAAAAAAAAAAAAAT4G9DP///wgAAAAAAAAAAAAAAAAAAAAAAAAAAAAAAAAAAAAAZAAAAAEAAABAAAAAAAAAAAAAAAAAAAAAAAAAAAAAAAAAAAAAAAAAAAAAAAAAAAAAAAAAAAAAAAAAAAAAAAAAAAAAAAAAAAAAAAAAAAAAAAAAAAAAAAAAAAAAAAAAAAAAFAAAADwAAAAAAAAAAAAAAAAAAAkUAAAAAQAAABQAAAAUAAAAFAAAAAEAAAAAAAAAZAAAAGQAAAAAAAAAZAAAAGQAAAAVAAAAYAAAAAAAAAAAAAAADwAAACADAAAAAAAAAAAAAAEAAACgMgAAVgcAAKr4//8BAAAAf39/AAEAAABkAAAAAAAAABQAAABAHwAAAAAAACYAAAAAAAAAwOD//wAAAAAmAAAAZAAAABYAAABMAAAAAAAAAAAAAAAEAAAAAAAAAAEAAADu7OEKAAAAACgAAAAoAAAAZAAAAGQAAAAAAAAAzMzMAAAAAABQAAAAUAAAAGQAAABkAAAAAAAAABcAAAAUAAAAAAAAAAAAAAD/fwAA/38AAAAAAAAJAAAABAAAALEDAAAMAAAAEAAAAAAAAAAAAAAAAAAAAAAAAAAeAAAAaAAAAAAAAAAAAAAAAAAAAAAAAAAAAAAAECcAABAnAAAAAAAAAAAAAAAAAAAAAAAAAAAAAAAAAAAAAAAAAAAAABQAAAAAAAAAwMD/AAAAAABkAAAAMgAAAAAAAABkAAAAAAAAAH9/fwAKAAAAHwAAAFQAAABPgb0F////AQAAAAAAAAAAAAAAAAAAAAAAAAAAAAAAAAAAAAAAAAAAAAAAAn9/fwDu7OEDzMzMAMDA/wB/f38AAAAAAAAAAAAAAAAAAAAAAAAAAAAhAAAAGAAAABQAAADIBQAAiQsAAHpIAACpDwAAACAAACYAAAAIAAAAAQAAAAAAAAA="/>
               </a:ext>
             </a:extLst>
           </p:cNvSpPr>
@@ -5985,7 +6059,7 @@
             <a:spLocks noGrp="1" noChangeArrowheads="1"/>
             <a:extLst>
               <a:ext uri="smNativeData">
-                <pr:smNativeData xmlns:pr="smNativeData" val="SMDATA_13_ec9PYBMAAAAlAAAAZAAAAE0AAAAAAAAAAAAAAAAAAAAAAAAAAAAAAAAAAAAAAAAAAAEAAABQAAAAAAAAAAAA4D8AAAAAAADgPwAAAAAAAOA/AAAAAAAA4D8AAAAAAADgPwAAAAAAAOA/AAAAAAAA4D8AAAAAAADgPwAAAAAAAOA/AAAAAAAA4D8CAAAAjAAAAAAAAAAAAAAAT4G9DP///wgAAAAAAAAAAAAAAAAAAAAAAAAAAAAAAAAAAAAAZAAAAAEAAABAAAAAAAAAAAAAAAAAAAAAAAAAAAAAAAAAAAAAAAAAAAAAAAAAAAAAAAAAAAAAAAAAAAAAAAAAAAAAAAAAAAAAAAAAAAAAAAAAAAAAAAAAAAAAAAAAAAAAFAAAADwAAAAAAAAAAAAAAAAAAAkUAAAAAQAAABQAAAAUAAAAFAAAAAEAAAAAAAAAZAAAAGQAAAAAAAAAZAAAAGQAAAAVAAAAYAAAAAAAAAAAAAAADwAAACADAAAAAAAAAAAAAAEAAACgMgAAVgcAAKr4//8BAAAAf39/AAEAAABkAAAAAAAAABQAAABAHwAAAAAAACYAAAAAAAAAwOD//wAAAAAmAAAAZAAAABYAAABMAAAAAAAAAAAAAAAEAAAAAAAAAAEAAADu7OEKAAAAACgAAAAoAAAAZAAAAGQAAAAAAAAAzMzMAAAAAABQAAAAUAAAAGQAAABkAAAAAAAAABcAAAAUAAAAAAAAAAAAAAD/fwAA/38AAAAAAAAJAAAABAAAABQDAAAMAAAAEAAAAAAAAAAAAAAAAAAAAAAAAAAeAAAAaAAAAAAAAAAAAAAAAAAAAAAAAAAAAAAAECcAABAnAAAAAAAAAAAAAAAAAAAAAAAAAAAAAAAAAAAAAAAAAAAAABQAAAAAAAAAwMD/AAAAAABkAAAAMgAAAAAAAABkAAAAAAAAAH9/fwAKAAAAHwAAAFQAAABPgb0F////AQAAAAAAAAAAAAAAAAAAAAAAAAAAAAAAAAAAAAAAAAAAAAAAAn9/fwDu7OEDzMzMAMDA/wB/f38AAAAAAAAAAAAAAAAAAAAAAAAAAAAhAAAAGAAAABQAAADIBQAAwBIAAHpIAABQMQAAACAAACYAAAAIAAAAAYAAAAAAAAA="/>
+                <pr:smNativeData xmlns:pr="smNativeData" xmlns:p14="http://schemas.microsoft.com/office/powerpoint/2010/main" xmlns="" val="SMDATA_13_ec9PYBMAAAAlAAAAZAAAAE0AAAAAAAAAAAAAAAAAAAAAAAAAAAAAAAAAAAAAAAAAAAEAAABQAAAAAAAAAAAA4D8AAAAAAADgPwAAAAAAAOA/AAAAAAAA4D8AAAAAAADgPwAAAAAAAOA/AAAAAAAA4D8AAAAAAADgPwAAAAAAAOA/AAAAAAAA4D8CAAAAjAAAAAAAAAAAAAAAT4G9DP///wgAAAAAAAAAAAAAAAAAAAAAAAAAAAAAAAAAAAAAZAAAAAEAAABAAAAAAAAAAAAAAAAAAAAAAAAAAAAAAAAAAAAAAAAAAAAAAAAAAAAAAAAAAAAAAAAAAAAAAAAAAAAAAAAAAAAAAAAAAAAAAAAAAAAAAAAAAAAAAAAAAAAAFAAAADwAAAAAAAAAAAAAAAAAAAkUAAAAAQAAABQAAAAUAAAAFAAAAAEAAAAAAAAAZAAAAGQAAAAAAAAAZAAAAGQAAAAVAAAAYAAAAAAAAAAAAAAADwAAACADAAAAAAAAAAAAAAEAAACgMgAAVgcAAKr4//8BAAAAf39/AAEAAABkAAAAAAAAABQAAABAHwAAAAAAACYAAAAAAAAAwOD//wAAAAAmAAAAZAAAABYAAABMAAAAAAAAAAAAAAAEAAAAAAAAAAEAAADu7OEKAAAAACgAAAAoAAAAZAAAAGQAAAAAAAAAzMzMAAAAAABQAAAAUAAAAGQAAABkAAAAAAAAABcAAAAUAAAAAAAAAAAAAAD/fwAA/38AAAAAAAAJAAAABAAAABQDAAAMAAAAEAAAAAAAAAAAAAAAAAAAAAAAAAAeAAAAaAAAAAAAAAAAAAAAAAAAAAAAAAAAAAAAECcAABAnAAAAAAAAAAAAAAAAAAAAAAAAAAAAAAAAAAAAAAAAAAAAABQAAAAAAAAAwMD/AAAAAABkAAAAMgAAAAAAAABkAAAAAAAAAH9/fwAKAAAAHwAAAFQAAABPgb0F////AQAAAAAAAAAAAAAAAAAAAAAAAAAAAAAAAAAAAAAAAAAAAAAAAn9/fwDu7OEDzMzMAMDA/wB/f38AAAAAAAAAAAAAAAAAAAAAAAAAAAAhAAAAGAAAABQAAADIBQAAwBIAAHpIAABQMQAAACAAACYAAAAIAAAAAYAAAAAAAAA="/>
               </a:ext>
             </a:extLst>
           </p:cNvSpPr>
@@ -6013,7 +6087,7 @@
                 <a:schemeClr val="accent1"/>
               </a:buClr>
               <a:buSzPts val="2910"/>
-              <a:buFont typeface="Wingdings" pitchFamily="0" charset="0"/>
+              <a:buFont typeface="Wingdings" charset="0"/>
               <a:buChar char="§"/>
               <a:tabLst/>
               <a:defRPr lang="de-de" sz="2800" b="0" i="0" baseline="0">
@@ -6044,7 +6118,7 @@
               <a:lnSpc>
                 <a:spcPct val="150000"/>
               </a:lnSpc>
-              <a:buFont typeface="Wingdings" pitchFamily="0" charset="0"/>
+              <a:buFont typeface="Wingdings" charset="0"/>
               <a:buChar char="§"/>
               <a:defRPr lang="de-de" sz="2000" b="0" i="0" baseline="0">
                 <a:solidFill>
@@ -6145,7 +6219,7 @@
             <a:spLocks noGrp="1" noChangeArrowheads="1"/>
             <a:extLst>
               <a:ext uri="smNativeData">
-                <pr:smNativeData xmlns:pr="smNativeData" val="SMDATA_13_ec9PYBMAAAAlAAAAZAAAAA0AAAAAAAAAAAAAAAAAAAAAAAAAAAAAAAAAAAAAAAAAAAEAAABQAAAAAAAAAAAA4D8AAAAAAADgPwAAAAAAAOA/AAAAAAAA4D8AAAAAAADgPwAAAAAAAOA/AAAAAAAA4D8AAAAAAADgPwAAAAAAAOA/AAAAAAAA4D8CAAAAjAAAAAAAAAAAAAAAT4G9DP///wgAAAAAAAAAAAAAAAAAAAAAAAAAAAAAAAAAAAAAZAAAAAEAAABAAAAAAAAAAAAAAAAAAAAAAAAAAAAAAAAAAAAAAAAAAAAAAAAAAAAAAAAAAAAAAAAAAAAAAAAAAAAAAAAAAAAAAAAAAAAAAAAAAAAAAAAAAAAAAAAAAAAAFAAAADwAAAAAAAAAAAAAAAAAAAkUAAAAAQAAABQAAAAUAAAAFAAAAAEAAAAAAAAAZAAAAGQAAAAAAAAAZAAAAGQAAAAVAAAAYAAAAAAAAAAAAAAADwAAACADAAAAAAAAAAAAAAEAAACgMgAAVgcAAKr4//8BAAAAf39/AAEAAABkAAAAAAAAABQAAABAHwAAAAAAACYAAAAAAAAAwOD//wAAAAAmAAAAZAAAABYAAABMAAAAAAAAAAAAAAAEAAAAAAAAAAEAAADu7OEKAAAAACgAAAAoAAAAZAAAAGQAAAAAAAAAzMzMAAAAAABQAAAAUAAAAGQAAABkAAAAAAAAABcAAAAUAAAAAAAAAAAAAAD/fwAA/38AAAAAAAAJAAAABAAAAAYJAAAMAAAAEAAAAAAAAAAAAAAAAAAAAAAAAAAeAAAAaAAAAAAAAAAAAAAAAAAAAAAAAAAAAAAAECcAABAnAAAAAAAAAAAAAAAAAAAAAAAAAAAAAAAAAAAAAAAAAAAAABQAAAAAAAAAwMD/AAAAAABkAAAAMgAAAAAAAABkAAAAAAAAAH9/fwAKAAAAHwAAAFQAAABPgb0F////AQAAAAAAAAAAAAAAAAAAAAAAAAAAAAAAAAAAAAAAAAAAAAAAAn9/fwDu7OEDzMzMAMDA/wB/f38AAAAAAAAAAAAAAAAAAAAAAAAAAAAhAAAAGAAAABQAAADqAQAA4DgAAPAKAACYOgAAEAAAACYAAAAIAAAAAQAAAAAAAAA="/>
+                <pr:smNativeData xmlns:pr="smNativeData" xmlns:p14="http://schemas.microsoft.com/office/powerpoint/2010/main" xmlns="" val="SMDATA_13_ec9PYBMAAAAlAAAAZAAAAA0AAAAAAAAAAAAAAAAAAAAAAAAAAAAAAAAAAAAAAAAAAAEAAABQAAAAAAAAAAAA4D8AAAAAAADgPwAAAAAAAOA/AAAAAAAA4D8AAAAAAADgPwAAAAAAAOA/AAAAAAAA4D8AAAAAAADgPwAAAAAAAOA/AAAAAAAA4D8CAAAAjAAAAAAAAAAAAAAAT4G9DP///wgAAAAAAAAAAAAAAAAAAAAAAAAAAAAAAAAAAAAAZAAAAAEAAABAAAAAAAAAAAAAAAAAAAAAAAAAAAAAAAAAAAAAAAAAAAAAAAAAAAAAAAAAAAAAAAAAAAAAAAAAAAAAAAAAAAAAAAAAAAAAAAAAAAAAAAAAAAAAAAAAAAAAFAAAADwAAAAAAAAAAAAAAAAAAAkUAAAAAQAAABQAAAAUAAAAFAAAAAEAAAAAAAAAZAAAAGQAAAAAAAAAZAAAAGQAAAAVAAAAYAAAAAAAAAAAAAAADwAAACADAAAAAAAAAAAAAAEAAACgMgAAVgcAAKr4//8BAAAAf39/AAEAAABkAAAAAAAAABQAAABAHwAAAAAAACYAAAAAAAAAwOD//wAAAAAmAAAAZAAAABYAAABMAAAAAAAAAAAAAAAEAAAAAAAAAAEAAADu7OEKAAAAACgAAAAoAAAAZAAAAGQAAAAAAAAAzMzMAAAAAABQAAAAUAAAAGQAAABkAAAAAAAAABcAAAAUAAAAAAAAAAAAAAD/fwAA/38AAAAAAAAJAAAABAAAAAYJAAAMAAAAEAAAAAAAAAAAAAAAAAAAAAAAAAAeAAAAaAAAAAAAAAAAAAAAAAAAAAAAAAAAAAAAECcAABAnAAAAAAAAAAAAAAAAAAAAAAAAAAAAAAAAAAAAAAAAAAAAABQAAAAAAAAAwMD/AAAAAABkAAAAMgAAAAAAAABkAAAAAAAAAH9/fwAKAAAAHwAAAFQAAABPgb0F////AQAAAAAAAAAAAAAAAAAAAAAAAAAAAAAAAAAAAAAAAAAAAAAAAn9/fwDu7OEDzMzMAMDA/wB/f38AAAAAAAAAAAAAAAAAAAAAAAAAAAAhAAAAGAAAABQAAADqAQAA4DgAAPAKAACYOgAAEAAAACYAAAAIAAAAAQAAAAAAAAA="/>
               </a:ext>
             </a:extLst>
           </p:cNvSpPr>
@@ -6179,7 +6253,7 @@
             <a:spLocks noGrp="1" noChangeArrowheads="1"/>
             <a:extLst>
               <a:ext uri="smNativeData">
-                <pr:smNativeData xmlns:pr="smNativeData" val="SMDATA_13_ec9PYBMAAAAlAAAAZAAAAA0AAAAAAAAAAAAAAAAAAAAAAAAAAAAAAAAAAAAAAAAAAAEAAABQAAAAAAAAAAAA4D8AAAAAAADgPwAAAAAAAOA/AAAAAAAA4D8AAAAAAADgPwAAAAAAAOA/AAAAAAAA4D8AAAAAAADgPwAAAAAAAOA/AAAAAAAA4D8CAAAAjAAAAAAAAAAAAAAAT4G9DP///wgAAAAAAAAAAAAAAAAAAAAAAAAAAAAAAAAAAAAAZAAAAAEAAABAAAAAAAAAAAAAAAAAAAAAAAAAAAAAAAAAAAAAAAAAAAAAAAAAAAAAAAAAAAAAAAAAAAAAAAAAAAAAAAAAAAAAAAAAAAAAAAAAAAAAAAAAAAAAAAAAAAAAFAAAADwAAAAAAAAAAAAAAAAAAAkUAAAAAQAAABQAAAAUAAAAFAAAAAEAAAAAAAAAZAAAAGQAAAAAAAAAZAAAAGQAAAAVAAAAYAAAAAAAAAAAAAAADwAAACADAAAAAAAAAAAAAAEAAACgMgAAVgcAAKr4//8BAAAAf39/AAEAAABkAAAAAAAAABQAAABAHwAAAAAAACYAAAAAAAAAwOD//wAAAAAmAAAAZAAAABYAAABMAAAAAAAAAAAAAAAEAAAAAAAAAAEAAADu7OEKAAAAACgAAAAoAAAAZAAAAGQAAAAAAAAAzMzMAAAAAABQAAAAUAAAAGQAAABkAAAAAAAAABcAAAAUAAAAAAAAAAAAAAD/fwAA/38AAAAAAAAJAAAABAAAAAAAAAAMAAAAEAAAAAAAAAAAAAAAAAAAAAAAAAAeAAAAaAAAAAAAAAAAAAAAAAAAAAAAAAAAAAAAECcAABAnAAAAAAAAAAAAAAAAAAAAAAAAAAAAAAAAAAAAAAAAAAAAABQAAAAAAAAAwMD/AAAAAABkAAAAMgAAAAAAAABkAAAAAAAAAH9/fwAKAAAAHwAAAFQAAABPgb0F////AQAAAAAAAAAAAAAAAAAAAAAAAAAAAAAAAAAAAAAAAAAAAAAAAn9/fwDu7OEDzMzMAMDA/wB/f38AAAAAAAAAAAAAAAAAAAAAAAAAAAAhAAAAGAAAABQAAADQSAAAGDkAABZOAACYOgAAEAAAACYAAAAIAAAAAAAAAAAAAAA="/>
+                <pr:smNativeData xmlns:pr="smNativeData" xmlns:p14="http://schemas.microsoft.com/office/powerpoint/2010/main" xmlns="" val="SMDATA_13_ec9PYBMAAAAlAAAAZAAAAA0AAAAAAAAAAAAAAAAAAAAAAAAAAAAAAAAAAAAAAAAAAAEAAABQAAAAAAAAAAAA4D8AAAAAAADgPwAAAAAAAOA/AAAAAAAA4D8AAAAAAADgPwAAAAAAAOA/AAAAAAAA4D8AAAAAAADgPwAAAAAAAOA/AAAAAAAA4D8CAAAAjAAAAAAAAAAAAAAAT4G9DP///wgAAAAAAAAAAAAAAAAAAAAAAAAAAAAAAAAAAAAAZAAAAAEAAABAAAAAAAAAAAAAAAAAAAAAAAAAAAAAAAAAAAAAAAAAAAAAAAAAAAAAAAAAAAAAAAAAAAAAAAAAAAAAAAAAAAAAAAAAAAAAAAAAAAAAAAAAAAAAAAAAAAAAFAAAADwAAAAAAAAAAAAAAAAAAAkUAAAAAQAAABQAAAAUAAAAFAAAAAEAAAAAAAAAZAAAAGQAAAAAAAAAZAAAAGQAAAAVAAAAYAAAAAAAAAAAAAAADwAAACADAAAAAAAAAAAAAAEAAACgMgAAVgcAAKr4//8BAAAAf39/AAEAAABkAAAAAAAAABQAAABAHwAAAAAAACYAAAAAAAAAwOD//wAAAAAmAAAAZAAAABYAAABMAAAAAAAAAAAAAAAEAAAAAAAAAAEAAADu7OEKAAAAACgAAAAoAAAAZAAAAGQAAAAAAAAAzMzMAAAAAABQAAAAUAAAAGQAAABkAAAAAAAAABcAAAAUAAAAAAAAAAAAAAD/fwAA/38AAAAAAAAJAAAABAAAAAAAAAAMAAAAEAAAAAAAAAAAAAAAAAAAAAAAAAAeAAAAaAAAAAAAAAAAAAAAAAAAAAAAAAAAAAAAECcAABAnAAAAAAAAAAAAAAAAAAAAAAAAAAAAAAAAAAAAAAAAAAAAABQAAAAAAAAAwMD/AAAAAABkAAAAMgAAAAAAAABkAAAAAAAAAH9/fwAKAAAAHwAAAFQAAABPgb0F////AQAAAAAAAAAAAAAAAAAAAAAAAAAAAAAAAAAAAAAAAAAAAAAAAn9/fwDu7OEDzMzMAMDA/wB/f38AAAAAAAAAAAAAAAAAAAAAAAAAAAAhAAAAGAAAABQAAADQSAAAGDkAABZOAACYOgAAEAAAACYAAAAIAAAAAAAAAAAAAAA="/>
               </a:ext>
             </a:extLst>
           </p:cNvSpPr>
@@ -6196,8 +6270,9 @@
               <a:defRPr lang="de-de"/>
             </a:pPr>
             <a:fld id="{5994FB0E-40B4-C10D-FA2C-B658B5620CE3}" type="slidenum">
-              <a:t>6</a:t>
+              <a:t>14</a:t>
             </a:fld>
+            <a:endParaRPr/>
           </a:p>
         </p:txBody>
       </p:sp>
@@ -6206,18 +6281,11 @@
   <p:clrMapOvr>
     <a:masterClrMapping/>
   </p:clrMapOvr>
-  <p:timing>
-    <p:tnLst>
-      <p:par>
-        <p:cTn id="1" dur="indefinite" restart="never" nodeType="tmRoot"/>
-      </p:par>
-    </p:tnLst>
-  </p:timing>
 </p:sld>
 </file>
 
-<file path=ppt/slides/slide7.xml><?xml version="1.0" encoding="utf-8"?>
-<p:sld xmlns:p="http://schemas.openxmlformats.org/presentationml/2006/main" xmlns:p14="http://schemas.microsoft.com/office/powerpoint/2010/main" xmlns:r="http://schemas.openxmlformats.org/officeDocument/2006/relationships" xmlns:a="http://schemas.openxmlformats.org/drawingml/2006/main">
+<file path=ppt/slides/slide15.xml><?xml version="1.0" encoding="utf-8"?>
+<p:sld xmlns:a="http://schemas.openxmlformats.org/drawingml/2006/main" xmlns:r="http://schemas.openxmlformats.org/officeDocument/2006/relationships" xmlns:p="http://schemas.openxmlformats.org/presentationml/2006/main">
   <p:cSld>
     <p:spTree>
       <p:nvGrpSpPr>
@@ -6240,7 +6308,7 @@
             <a:spLocks noGrp="1" noChangeArrowheads="1"/>
             <a:extLst>
               <a:ext uri="smNativeData">
-                <pr:smNativeData xmlns:pr="smNativeData" val="SMDATA_13_ec9PYBMAAAAlAAAAZAAAAE0AAAAAAAAAAAAAAAAAAAAAAAAAAAAAAAAAAAAAAAAAAAEAAABQAAAAAAAAAAAA4D8AAAAAAADgPwAAAAAAAOA/AAAAAAAA4D8AAAAAAADgPwAAAAAAAOA/AAAAAAAA4D8AAAAAAADgPwAAAAAAAOA/AAAAAAAA4D8CAAAAjAAAAAAAAAAAAAAAT4G9DP///wgAAAAAAAAAAAAAAAAAAAAAAAAAAAAAAAAAAAAAZAAAAAEAAABAAAAAAAAAAAAAAAAAAAAAAAAAAAAAAAAAAAAAAAAAAAAAAAAAAAAAAAAAAAAAAAAAAAAAAAAAAAAAAAAAAAAAAAAAAAAAAAAAAAAAAAAAAAAAAAAAAAAAFAAAADwAAAAAAAAAAAAAAAAAAAkUAAAAAQAAABQAAAAUAAAAFAAAAAEAAAAAAAAAZAAAAGQAAAAAAAAAZAAAAGQAAAAVAAAAYAAAAAAAAAAAAAAADwAAACADAAAAAAAAAAAAAAEAAACgMgAAVgcAAKr4//8BAAAAf39/AAEAAABkAAAAAAAAABQAAABAHwAAAAAAACYAAAAAAAAAwOD//wAAAAAmAAAAZAAAABYAAABMAAAAAAAAAAAAAAAEAAAAAAAAAAEAAADu7OEKAAAAACgAAAAoAAAAZAAAAGQAAAAAAAAAzMzMAAAAAABQAAAAUAAAAGQAAABkAAAAAAAAABcAAAAUAAAAAAAAAAAAAAD/fwAA/38AAAAAAAAJAAAABAAAAP/nDiYMAAAAEAAAAAAAAAAAAAAAAAAAAAAAAAAeAAAAaAAAAAAAAAAAAAAAAAAAAAAAAAAAAAAAECcAABAnAAAAAAAAAAAAAAAAAAAAAAAAAAAAAAAAAAAAAAAAAAAAABQAAAAAAAAAwMD/AAAAAABkAAAAMgAAAAAAAABkAAAAAAAAAH9/fwAKAAAAHwAAAFQAAABPgb0F////AQAAAAAAAAAAAAAAAAAAAAAAAAAAAAAAAAAAAAAAAAAAAAAAAn9/fwDu7OEDzMzMAMDA/wB/f38AAAAAAAAAAAAAAAAAAAAAAAAAAAAhAAAAGAAAABQAAADIBQAAiQsAAHpIAACpDwAAACAAACYAAAAIAAAAAQAAAAAAAAA="/>
+                <pr:smNativeData xmlns:pr="smNativeData" xmlns:p14="http://schemas.microsoft.com/office/powerpoint/2010/main" xmlns="" val="SMDATA_13_ec9PYBMAAAAlAAAAZAAAAE0AAAAAAAAAAAAAAAAAAAAAAAAAAAAAAAAAAAAAAAAAAAEAAABQAAAAAAAAAAAA4D8AAAAAAADgPwAAAAAAAOA/AAAAAAAA4D8AAAAAAADgPwAAAAAAAOA/AAAAAAAA4D8AAAAAAADgPwAAAAAAAOA/AAAAAAAA4D8CAAAAjAAAAAAAAAAAAAAAT4G9DP///wgAAAAAAAAAAAAAAAAAAAAAAAAAAAAAAAAAAAAAZAAAAAEAAABAAAAAAAAAAAAAAAAAAAAAAAAAAAAAAAAAAAAAAAAAAAAAAAAAAAAAAAAAAAAAAAAAAAAAAAAAAAAAAAAAAAAAAAAAAAAAAAAAAAAAAAAAAAAAAAAAAAAAFAAAADwAAAAAAAAAAAAAAAAAAAkUAAAAAQAAABQAAAAUAAAAFAAAAAEAAAAAAAAAZAAAAGQAAAAAAAAAZAAAAGQAAAAVAAAAYAAAAAAAAAAAAAAADwAAACADAAAAAAAAAAAAAAEAAACgMgAAVgcAAKr4//8BAAAAf39/AAEAAABkAAAAAAAAABQAAABAHwAAAAAAACYAAAAAAAAAwOD//wAAAAAmAAAAZAAAABYAAABMAAAAAAAAAAAAAAAEAAAAAAAAAAEAAADu7OEKAAAAACgAAAAoAAAAZAAAAGQAAAAAAAAAzMzMAAAAAABQAAAAUAAAAGQAAABkAAAAAAAAABcAAAAUAAAAAAAAAAAAAAD/fwAA/38AAAAAAAAJAAAABAAAAP/nDiYMAAAAEAAAAAAAAAAAAAAAAAAAAAAAAAAeAAAAaAAAAAAAAAAAAAAAAAAAAAAAAAAAAAAAECcAABAnAAAAAAAAAAAAAAAAAAAAAAAAAAAAAAAAAAAAAAAAAAAAABQAAAAAAAAAwMD/AAAAAABkAAAAMgAAAAAAAABkAAAAAAAAAH9/fwAKAAAAHwAAAFQAAABPgb0F////AQAAAAAAAAAAAAAAAAAAAAAAAAAAAAAAAAAAAAAAAAAAAAAAAn9/fwDu7OEDzMzMAMDA/wB/f38AAAAAAAAAAAAAAAAAAAAAAAAAAAAhAAAAGAAAABQAAADIBQAAiQsAAHpIAACpDwAAACAAACYAAAAIAAAAAQAAAAAAAAA="/>
               </a:ext>
             </a:extLst>
           </p:cNvSpPr>
@@ -6274,7 +6342,7 @@
             <a:spLocks noGrp="1" noChangeArrowheads="1"/>
             <a:extLst>
               <a:ext uri="smNativeData">
-                <pr:smNativeData xmlns:pr="smNativeData" val="SMDATA_13_ec9PYBMAAAAlAAAAZAAAAE0AAAAAAAAAAAAAAAAAAAAAAAAAAAAAAAAAAAAAAAAAAAEAAABQAAAAAAAAAAAA4D8AAAAAAADgPwAAAAAAAOA/AAAAAAAA4D8AAAAAAADgPwAAAAAAAOA/AAAAAAAA4D8AAAAAAADgPwAAAAAAAOA/AAAAAAAA4D8CAAAAjAAAAAAAAAAAAAAAT4G9DP///wgAAAAAAAAAAAAAAAAAAAAAAAAAAAAAAAAAAAAAZAAAAAEAAABAAAAAAAAAAAAAAAAAAAAAAAAAAAAAAAAAAAAAAAAAAAAAAAAAAAAAAAAAAAAAAAAAAAAAAAAAAAAAAAAAAAAAAAAAAAAAAAAAAAAAAAAAAAAAAAAAAAAAFAAAADwAAAAAAAAAAAAAAAAAAAkUAAAAAQAAABQAAAAUAAAAFAAAAAEAAAAAAAAAZAAAAGQAAAAAAAAAZAAAAGQAAAAVAAAAYAAAAAAAAAAAAAAADwAAACADAAAAAAAAAAAAAAEAAACgMgAAVgcAAKr4//8BAAAAf39/AAEAAABkAAAAAAAAABQAAABAHwAAAAAAACYAAAAAAAAAwOD//wAAAAAmAAAAZAAAABYAAABMAAAAAAAAAAAAAAAEAAAAAAAAAAEAAADu7OEKAAAAACgAAAAoAAAAZAAAAGQAAAAAAAAAzMzMAAAAAABQAAAAUAAAAGQAAABkAAAAAAAAABcAAAAUAAAAAAAAAAAAAAD/fwAA/38AAAAAAAAJAAAABAAAAAAAAAAMAAAAEAAAAAAAAAAAAAAAAAAAAAAAAAAeAAAAaAAAAAAAAAAAAAAAAAAAAAAAAAAAAAAAECcAABAnAAAAAAAAAAAAAAAAAAAAAAAAAAAAAAAAAAAAAAAAAAAAABQAAAAAAAAAwMD/AAAAAABkAAAAMgAAAAAAAABkAAAAAAAAAH9/fwAKAAAAHwAAAFQAAABPgb0F////AQAAAAAAAAAAAAAAAAAAAAAAAAAAAAAAAAAAAAAAAAAAAAAAAn9/fwDu7OEDzMzMAMDA/wB/f38AAAAAAAAAAAAAAAAAAAAAAAAAAAAhAAAAGAAAABQAAADIBQAAwBIAAHpIAACoPAAAACAAACYAAAAIAAAAAYAAAAAAAAA="/>
+                <pr:smNativeData xmlns:pr="smNativeData" xmlns:p14="http://schemas.microsoft.com/office/powerpoint/2010/main" xmlns="" val="SMDATA_13_ec9PYBMAAAAlAAAAZAAAAE0AAAAAAAAAAAAAAAAAAAAAAAAAAAAAAAAAAAAAAAAAAAEAAABQAAAAAAAAAAAA4D8AAAAAAADgPwAAAAAAAOA/AAAAAAAA4D8AAAAAAADgPwAAAAAAAOA/AAAAAAAA4D8AAAAAAADgPwAAAAAAAOA/AAAAAAAA4D8CAAAAjAAAAAAAAAAAAAAAT4G9DP///wgAAAAAAAAAAAAAAAAAAAAAAAAAAAAAAAAAAAAAZAAAAAEAAABAAAAAAAAAAAAAAAAAAAAAAAAAAAAAAAAAAAAAAAAAAAAAAAAAAAAAAAAAAAAAAAAAAAAAAAAAAAAAAAAAAAAAAAAAAAAAAAAAAAAAAAAAAAAAAAAAAAAAFAAAADwAAAAAAAAAAAAAAAAAAAkUAAAAAQAAABQAAAAUAAAAFAAAAAEAAAAAAAAAZAAAAGQAAAAAAAAAZAAAAGQAAAAVAAAAYAAAAAAAAAAAAAAADwAAACADAAAAAAAAAAAAAAEAAACgMgAAVgcAAKr4//8BAAAAf39/AAEAAABkAAAAAAAAABQAAABAHwAAAAAAACYAAAAAAAAAwOD//wAAAAAmAAAAZAAAABYAAABMAAAAAAAAAAAAAAAEAAAAAAAAAAEAAADu7OEKAAAAACgAAAAoAAAAZAAAAGQAAAAAAAAAzMzMAAAAAABQAAAAUAAAAGQAAABkAAAAAAAAABcAAAAUAAAAAAAAAAAAAAD/fwAA/38AAAAAAAAJAAAABAAAAAAAAAAMAAAAEAAAAAAAAAAAAAAAAAAAAAAAAAAeAAAAaAAAAAAAAAAAAAAAAAAAAAAAAAAAAAAAECcAABAnAAAAAAAAAAAAAAAAAAAAAAAAAAAAAAAAAAAAAAAAAAAAABQAAAAAAAAAwMD/AAAAAABkAAAAMgAAAAAAAABkAAAAAAAAAH9/fwAKAAAAHwAAAFQAAABPgb0F////AQAAAAAAAAAAAAAAAAAAAAAAAAAAAAAAAAAAAAAAAAAAAAAAAn9/fwDu7OEDzMzMAMDA/wB/f38AAAAAAAAAAAAAAAAAAAAAAAAAAAAhAAAAGAAAABQAAADIBQAAwBIAAHpIAACoPAAAACAAACYAAAAIAAAAAYAAAAAAAAA="/>
               </a:ext>
             </a:extLst>
           </p:cNvSpPr>
@@ -6302,7 +6370,7 @@
                 <a:schemeClr val="accent1"/>
               </a:buClr>
               <a:buSzPts val="2910"/>
-              <a:buFont typeface="Wingdings" pitchFamily="0" charset="0"/>
+              <a:buFont typeface="Wingdings" charset="0"/>
               <a:buChar char="§"/>
               <a:tabLst/>
               <a:defRPr lang="de-de" sz="2800" b="0" i="0" baseline="0">
@@ -6333,7 +6401,7 @@
               <a:lnSpc>
                 <a:spcPct val="150000"/>
               </a:lnSpc>
-              <a:buFont typeface="Wingdings" pitchFamily="0" charset="0"/>
+              <a:buFont typeface="Wingdings" charset="0"/>
               <a:buChar char="§"/>
               <a:defRPr lang="de-de" sz="2000" b="0" i="0" baseline="0">
                 <a:solidFill>
@@ -6466,7 +6534,7 @@
             <a:spLocks noGrp="1" noChangeArrowheads="1"/>
             <a:extLst>
               <a:ext uri="smNativeData">
-                <pr:smNativeData xmlns:pr="smNativeData" val="SMDATA_13_ec9PYBMAAAAlAAAAZAAAAA0AAAAAAAAAAAAAAAAAAAAAAAAAAAAAAAAAAAAAAAAAAAEAAABQAAAAAAAAAAAA4D8AAAAAAADgPwAAAAAAAOA/AAAAAAAA4D8AAAAAAADgPwAAAAAAAOA/AAAAAAAA4D8AAAAAAADgPwAAAAAAAOA/AAAAAAAA4D8CAAAAjAAAAAAAAAAAAAAAT4G9DP///wgAAAAAAAAAAAAAAAAAAAAAAAAAAAAAAAAAAAAAZAAAAAEAAABAAAAAAAAAAAAAAAAAAAAAAAAAAAAAAAAAAAAAAAAAAAAAAAAAAAAAAAAAAAAAAAAAAAAAAAAAAAAAAAAAAAAAAAAAAAAAAAAAAAAAAAAAAAAAAAAAAAAAFAAAADwAAAAAAAAAAAAAAAAAAAkUAAAAAQAAABQAAAAUAAAAFAAAAAEAAAAAAAAAZAAAAGQAAAAAAAAAZAAAAGQAAAAVAAAAYAAAAAAAAAAAAAAADwAAACADAAAAAAAAAAAAAAEAAACgMgAAVgcAAKr4//8BAAAAf39/AAEAAABkAAAAAAAAABQAAABAHwAAAAAAACYAAAAAAAAAwOD//wAAAAAmAAAAZAAAABYAAABMAAAAAAAAAAAAAAAEAAAAAAAAAAEAAADu7OEKAAAAACgAAAAoAAAAZAAAAGQAAAAAAAAAzMzMAAAAAABQAAAAUAAAAGQAAABkAAAAAAAAABcAAAAUAAAAAAAAAAAAAAD/fwAA/38AAAAAAAAJAAAABAAAAOwEAAAMAAAAEAAAAAAAAAAAAAAAAAAAAAAAAAAeAAAAaAAAAAAAAAAAAAAAAAAAAAAAAAAAAAAAECcAABAnAAAAAAAAAAAAAAAAAAAAAAAAAAAAAAAAAAAAAAAAAAAAABQAAAAAAAAAwMD/AAAAAABkAAAAMgAAAAAAAABkAAAAAAAAAH9/fwAKAAAAHwAAAFQAAABPgb0F////AQAAAAAAAAAAAAAAAAAAAAAAAAAAAAAAAAAAAAAAAAAAAAAAAn9/fwDu7OEDzMzMAMDA/wB/f38AAAAAAAAAAAAAAAAAAAAAAAAAAAAhAAAAGAAAABQAAADqAQAA4DgAAPAKAACYOgAAEAAAACYAAAAIAAAAAQAAAAAAAAA="/>
+                <pr:smNativeData xmlns:pr="smNativeData" xmlns:p14="http://schemas.microsoft.com/office/powerpoint/2010/main" xmlns="" val="SMDATA_13_ec9PYBMAAAAlAAAAZAAAAA0AAAAAAAAAAAAAAAAAAAAAAAAAAAAAAAAAAAAAAAAAAAEAAABQAAAAAAAAAAAA4D8AAAAAAADgPwAAAAAAAOA/AAAAAAAA4D8AAAAAAADgPwAAAAAAAOA/AAAAAAAA4D8AAAAAAADgPwAAAAAAAOA/AAAAAAAA4D8CAAAAjAAAAAAAAAAAAAAAT4G9DP///wgAAAAAAAAAAAAAAAAAAAAAAAAAAAAAAAAAAAAAZAAAAAEAAABAAAAAAAAAAAAAAAAAAAAAAAAAAAAAAAAAAAAAAAAAAAAAAAAAAAAAAAAAAAAAAAAAAAAAAAAAAAAAAAAAAAAAAAAAAAAAAAAAAAAAAAAAAAAAAAAAAAAAFAAAADwAAAAAAAAAAAAAAAAAAAkUAAAAAQAAABQAAAAUAAAAFAAAAAEAAAAAAAAAZAAAAGQAAAAAAAAAZAAAAGQAAAAVAAAAYAAAAAAAAAAAAAAADwAAACADAAAAAAAAAAAAAAEAAACgMgAAVgcAAKr4//8BAAAAf39/AAEAAABkAAAAAAAAABQAAABAHwAAAAAAACYAAAAAAAAAwOD//wAAAAAmAAAAZAAAABYAAABMAAAAAAAAAAAAAAAEAAAAAAAAAAEAAADu7OEKAAAAACgAAAAoAAAAZAAAAGQAAAAAAAAAzMzMAAAAAABQAAAAUAAAAGQAAABkAAAAAAAAABcAAAAUAAAAAAAAAAAAAAD/fwAA/38AAAAAAAAJAAAABAAAAOwEAAAMAAAAEAAAAAAAAAAAAAAAAAAAAAAAAAAeAAAAaAAAAAAAAAAAAAAAAAAAAAAAAAAAAAAAECcAABAnAAAAAAAAAAAAAAAAAAAAAAAAAAAAAAAAAAAAAAAAAAAAABQAAAAAAAAAwMD/AAAAAABkAAAAMgAAAAAAAABkAAAAAAAAAH9/fwAKAAAAHwAAAFQAAABPgb0F////AQAAAAAAAAAAAAAAAAAAAAAAAAAAAAAAAAAAAAAAAAAAAAAAAn9/fwDu7OEDzMzMAMDA/wB/f38AAAAAAAAAAAAAAAAAAAAAAAAAAAAhAAAAGAAAABQAAADqAQAA4DgAAPAKAACYOgAAEAAAACYAAAAIAAAAAQAAAAAAAAA="/>
               </a:ext>
             </a:extLst>
           </p:cNvSpPr>
@@ -6500,7 +6568,7 @@
             <a:spLocks noGrp="1" noChangeArrowheads="1"/>
             <a:extLst>
               <a:ext uri="smNativeData">
-                <pr:smNativeData xmlns:pr="smNativeData" val="SMDATA_13_ec9PYBMAAAAlAAAAZAAAAA0AAAAAAAAAAAAAAAAAAAAAAAAAAAAAAAAAAAAAAAAAAAEAAABQAAAAAAAAAAAA4D8AAAAAAADgPwAAAAAAAOA/AAAAAAAA4D8AAAAAAADgPwAAAAAAAOA/AAAAAAAA4D8AAAAAAADgPwAAAAAAAOA/AAAAAAAA4D8CAAAAjAAAAAAAAAAAAAAAT4G9DP///wgAAAAAAAAAAAAAAAAAAAAAAAAAAAAAAAAAAAAAZAAAAAEAAABAAAAAAAAAAAAAAAAAAAAAAAAAAAAAAAAAAAAAAAAAAAAAAAAAAAAAAAAAAAAAAAAAAAAAAAAAAAAAAAAAAAAAAAAAAAAAAAAAAAAAAAAAAAAAAAAAAAAAFAAAADwAAAAAAAAAAAAAAAAAAAkUAAAAAQAAABQAAAAUAAAAFAAAAAEAAAAAAAAAZAAAAGQAAAAAAAAAZAAAAGQAAAAVAAAAYAAAAAAAAAAAAAAADwAAACADAAAAAAAAAAAAAAEAAACgMgAAVgcAAKr4//8BAAAAf39/AAEAAABkAAAAAAAAABQAAABAHwAAAAAAACYAAAAAAAAAwOD//wAAAAAmAAAAZAAAABYAAABMAAAAAAAAAAAAAAAEAAAAAAAAAAEAAADu7OEKAAAAACgAAAAoAAAAZAAAAGQAAAAAAAAAzMzMAAAAAABQAAAAUAAAAGQAAABkAAAAAAAAABcAAAAUAAAAAAAAAAAAAAD/fwAA/38AAAAAAAAJAAAABAAAAGwAAAAMAAAAEAAAAAAAAAAAAAAAAAAAAAAAAAAeAAAAaAAAAAAAAAAAAAAAAAAAAAAAAAAAAAAAECcAABAnAAAAAAAAAAAAAAAAAAAAAAAAAAAAAAAAAAAAAAAAAAAAABQAAAAAAAAAwMD/AAAAAABkAAAAMgAAAAAAAABkAAAAAAAAAH9/fwAKAAAAHwAAAFQAAABPgb0F////AQAAAAAAAAAAAAAAAAAAAAAAAAAAAAAAAAAAAAAAAAAAAAAAAn9/fwDu7OEDzMzMAMDA/wB/f38AAAAAAAAAAAAAAAAAAAAAAAAAAAAhAAAAGAAAABQAAADQSAAAGDkAABZOAACYOgAAEAAAACYAAAAIAAAAAAAAAAAAAAA="/>
+                <pr:smNativeData xmlns:pr="smNativeData" xmlns:p14="http://schemas.microsoft.com/office/powerpoint/2010/main" xmlns="" val="SMDATA_13_ec9PYBMAAAAlAAAAZAAAAA0AAAAAAAAAAAAAAAAAAAAAAAAAAAAAAAAAAAAAAAAAAAEAAABQAAAAAAAAAAAA4D8AAAAAAADgPwAAAAAAAOA/AAAAAAAA4D8AAAAAAADgPwAAAAAAAOA/AAAAAAAA4D8AAAAAAADgPwAAAAAAAOA/AAAAAAAA4D8CAAAAjAAAAAAAAAAAAAAAT4G9DP///wgAAAAAAAAAAAAAAAAAAAAAAAAAAAAAAAAAAAAAZAAAAAEAAABAAAAAAAAAAAAAAAAAAAAAAAAAAAAAAAAAAAAAAAAAAAAAAAAAAAAAAAAAAAAAAAAAAAAAAAAAAAAAAAAAAAAAAAAAAAAAAAAAAAAAAAAAAAAAAAAAAAAAFAAAADwAAAAAAAAAAAAAAAAAAAkUAAAAAQAAABQAAAAUAAAAFAAAAAEAAAAAAAAAZAAAAGQAAAAAAAAAZAAAAGQAAAAVAAAAYAAAAAAAAAAAAAAADwAAACADAAAAAAAAAAAAAAEAAACgMgAAVgcAAKr4//8BAAAAf39/AAEAAABkAAAAAAAAABQAAABAHwAAAAAAACYAAAAAAAAAwOD//wAAAAAmAAAAZAAAABYAAABMAAAAAAAAAAAAAAAEAAAAAAAAAAEAAADu7OEKAAAAACgAAAAoAAAAZAAAAGQAAAAAAAAAzMzMAAAAAABQAAAAUAAAAGQAAABkAAAAAAAAABcAAAAUAAAAAAAAAAAAAAD/fwAA/38AAAAAAAAJAAAABAAAAGwAAAAMAAAAEAAAAAAAAAAAAAAAAAAAAAAAAAAeAAAAaAAAAAAAAAAAAAAAAAAAAAAAAAAAAAAAECcAABAnAAAAAAAAAAAAAAAAAAAAAAAAAAAAAAAAAAAAAAAAAAAAABQAAAAAAAAAwMD/AAAAAABkAAAAMgAAAAAAAABkAAAAAAAAAH9/fwAKAAAAHwAAAFQAAABPgb0F////AQAAAAAAAAAAAAAAAAAAAAAAAAAAAAAAAAAAAAAAAAAAAAAAAn9/fwDu7OEDzMzMAMDA/wB/f38AAAAAAAAAAAAAAAAAAAAAAAAAAAAhAAAAGAAAABQAAADQSAAAGDkAABZOAACYOgAAEAAAACYAAAAIAAAAAAAAAAAAAAA="/>
               </a:ext>
             </a:extLst>
           </p:cNvSpPr>
@@ -6517,8 +6585,9 @@
               <a:defRPr lang="de-de"/>
             </a:pPr>
             <a:fld id="{052116EA-A4E8-74E0-A699-52B558D75007}" type="slidenum">
-              <a:t>7</a:t>
+              <a:t>15</a:t>
             </a:fld>
+            <a:endParaRPr/>
           </a:p>
         </p:txBody>
       </p:sp>
@@ -6527,18 +6596,11 @@
   <p:clrMapOvr>
     <a:masterClrMapping/>
   </p:clrMapOvr>
-  <p:timing>
-    <p:tnLst>
-      <p:par>
-        <p:cTn id="1" dur="indefinite" restart="never" nodeType="tmRoot"/>
-      </p:par>
-    </p:tnLst>
-  </p:timing>
 </p:sld>
 </file>
 
-<file path=ppt/slides/slide8.xml><?xml version="1.0" encoding="utf-8"?>
-<p:sld xmlns:p="http://schemas.openxmlformats.org/presentationml/2006/main" xmlns:p14="http://schemas.microsoft.com/office/powerpoint/2010/main" xmlns:r="http://schemas.openxmlformats.org/officeDocument/2006/relationships" xmlns:a="http://schemas.openxmlformats.org/drawingml/2006/main">
+<file path=ppt/slides/slide16.xml><?xml version="1.0" encoding="utf-8"?>
+<p:sld xmlns:a="http://schemas.openxmlformats.org/drawingml/2006/main" xmlns:r="http://schemas.openxmlformats.org/officeDocument/2006/relationships" xmlns:p="http://schemas.openxmlformats.org/presentationml/2006/main">
   <p:cSld>
     <p:spTree>
       <p:nvGrpSpPr>
@@ -6561,7 +6623,7 @@
             <a:spLocks noGrp="1" noChangeArrowheads="1"/>
             <a:extLst>
               <a:ext uri="smNativeData">
-                <pr:smNativeData xmlns:pr="smNativeData" val="SMDATA_13_ec9PYBMAAAAlAAAAZAAAAE0AAAAAAAAAAAAAAAAAAAAAAAAAAAAAAAAAAAAAAAAAAAEAAABQAAAAAAAAAAAA4D8AAAAAAADgPwAAAAAAAOA/AAAAAAAA4D8AAAAAAADgPwAAAAAAAOA/AAAAAAAA4D8AAAAAAADgPwAAAAAAAOA/AAAAAAAA4D8CAAAAjAAAAAAAAAAAAAAAT4G9DP///wgAAAAAAAAAAAAAAAAAAAAAAAAAAAAAAAAAAAAAZAAAAAEAAABAAAAAAAAAAAAAAAAAAAAAAAAAAAAAAAAAAAAAAAAAAAAAAAAAAAAAAAAAAAAAAAAAAAAAAAAAAAAAAAAAAAAAAAAAAAAAAAAAAAAAAAAAAAAAAAAAAAAAFAAAADwAAAAAAAAAAAAAAAAAAAkUAAAAAQAAABQAAAAUAAAAFAAAAAEAAAAAAAAAZAAAAGQAAAAAAAAAZAAAAGQAAAAVAAAAYAAAAAAAAAAAAAAADwAAACADAAAAAAAAAAAAAAEAAACgMgAAVgcAAKr4//8BAAAAf39/AAEAAABkAAAAAAAAABQAAABAHwAAAAAAACYAAAAAAAAAwOD//wAAAAAmAAAAZAAAABYAAABMAAAAAAAAAAAAAAAEAAAAAAAAAAEAAADu7OEKAAAAACgAAAAoAAAAZAAAAGQAAAAAAAAAzMzMAAAAAABQAAAAUAAAAGQAAABkAAAAAAAAABcAAAAUAAAAAAAAAAAAAAD/fwAA/38AAAAAAAAJAAAABAAAAAAAAAAMAAAAEAAAAAAAAAAAAAAAAAAAAAAAAAAeAAAAaAAAAAAAAAAAAAAAAAAAAAAAAAAAAAAAECcAABAnAAAAAAAAAAAAAAAAAAAAAAAAAAAAAAAAAAAAAAAAAAAAABQAAAAAAAAAwMD/AAAAAABkAAAAMgAAAAAAAABkAAAAAAAAAH9/fwAKAAAAHwAAAFQAAABPgb0F////AQAAAAAAAAAAAAAAAAAAAAAAAAAAAAAAAAAAAAAAAAAAAAAAAn9/fwDu7OEDzMzMAMDA/wB/f38AAAAAAAAAAAAAAAAAAAAAAAAAAAAhAAAAGAAAABQAAADIBQAAiQsAAHpIAACzDwAAECAAACYAAAAIAAAAAAAAAAAAAAA="/>
+                <pr:smNativeData xmlns:pr="smNativeData" xmlns:p14="http://schemas.microsoft.com/office/powerpoint/2010/main" xmlns="" val="SMDATA_13_ec9PYBMAAAAlAAAAZAAAAE0AAAAAAAAAAAAAAAAAAAAAAAAAAAAAAAAAAAAAAAAAAAEAAABQAAAAAAAAAAAA4D8AAAAAAADgPwAAAAAAAOA/AAAAAAAA4D8AAAAAAADgPwAAAAAAAOA/AAAAAAAA4D8AAAAAAADgPwAAAAAAAOA/AAAAAAAA4D8CAAAAjAAAAAAAAAAAAAAAT4G9DP///wgAAAAAAAAAAAAAAAAAAAAAAAAAAAAAAAAAAAAAZAAAAAEAAABAAAAAAAAAAAAAAAAAAAAAAAAAAAAAAAAAAAAAAAAAAAAAAAAAAAAAAAAAAAAAAAAAAAAAAAAAAAAAAAAAAAAAAAAAAAAAAAAAAAAAAAAAAAAAAAAAAAAAFAAAADwAAAAAAAAAAAAAAAAAAAkUAAAAAQAAABQAAAAUAAAAFAAAAAEAAAAAAAAAZAAAAGQAAAAAAAAAZAAAAGQAAAAVAAAAYAAAAAAAAAAAAAAADwAAACADAAAAAAAAAAAAAAEAAACgMgAAVgcAAKr4//8BAAAAf39/AAEAAABkAAAAAAAAABQAAABAHwAAAAAAACYAAAAAAAAAwOD//wAAAAAmAAAAZAAAABYAAABMAAAAAAAAAAAAAAAEAAAAAAAAAAEAAADu7OEKAAAAACgAAAAoAAAAZAAAAGQAAAAAAAAAzMzMAAAAAABQAAAAUAAAAGQAAABkAAAAAAAAABcAAAAUAAAAAAAAAAAAAAD/fwAA/38AAAAAAAAJAAAABAAAAAAAAAAMAAAAEAAAAAAAAAAAAAAAAAAAAAAAAAAeAAAAaAAAAAAAAAAAAAAAAAAAAAAAAAAAAAAAECcAABAnAAAAAAAAAAAAAAAAAAAAAAAAAAAAAAAAAAAAAAAAAAAAABQAAAAAAAAAwMD/AAAAAABkAAAAMgAAAAAAAABkAAAAAAAAAH9/fwAKAAAAHwAAAFQAAABPgb0F////AQAAAAAAAAAAAAAAAAAAAAAAAAAAAAAAAAAAAAAAAAAAAAAAAn9/fwDu7OEDzMzMAMDA/wB/f38AAAAAAAAAAAAAAAAAAAAAAAAAAAAhAAAAGAAAABQAAADIBQAAiQsAAHpIAACzDwAAECAAACYAAAAIAAAAAAAAAAAAAAA="/>
               </a:ext>
             </a:extLst>
           </p:cNvSpPr>
@@ -6581,7 +6643,6 @@
               <a:rPr lang="en-gb"/>
               <a:t>Conclusion</a:t>
             </a:r>
-            <a:endParaRPr lang="en-gb"/>
           </a:p>
         </p:txBody>
       </p:sp>
@@ -6592,7 +6653,7 @@
             <a:spLocks noGrp="1" noChangeArrowheads="1"/>
             <a:extLst>
               <a:ext uri="smNativeData">
-                <pr:smNativeData xmlns:pr="smNativeData" val="SMDATA_13_ec9PYBMAAAAlAAAAZAAAAE0AAAAAAAAAAAAAAAAAAAAAAAAAAAAAAAAAAAAAAAAAAAEAAABQAAAAAAAAAAAA4D8AAAAAAADgPwAAAAAAAOA/AAAAAAAA4D8AAAAAAADgPwAAAAAAAOA/AAAAAAAA4D8AAAAAAADgPwAAAAAAAOA/AAAAAAAA4D8CAAAAjAAAAAAAAAAAAAAAT4G9DP///wgAAAAAAAAAAAAAAAAAAAAAAAAAAAAAAAAAAAAAZAAAAAEAAABAAAAAAAAAAAAAAAAAAAAAAAAAAAAAAAAAAAAAAAAAAAAAAAAAAAAAAAAAAAAAAAAAAAAAAAAAAAAAAAAAAAAAAAAAAAAAAAAAAAAAAAAAAAAAAAAAAAAAFAAAADwAAAAAAAAAAAAAAAAAAAkUAAAAAQAAABQAAAAUAAAAFAAAAAEAAAAAAAAAZAAAAGQAAAAAAAAAZAAAAGQAAAAVAAAAYAAAAAAAAAAAAAAADwAAACADAAAAAAAAAAAAAAEAAACgMgAAVgcAAKr4//8BAAAAf39/AAEAAABkAAAAAAAAABQAAABAHwAAAAAAACYAAAAAAAAAwOD//wAAAAAmAAAAZAAAABYAAABMAAAAAAAAAAAAAAAEAAAAAAAAAAEAAADu7OEKAAAAACgAAAAoAAAAZAAAAGQAAAAAAAAAzMzMAAAAAABQAAAAUAAAAGQAAABkAAAAAAAAABcAAAAUAAAAAAAAAAAAAAD/fwAA/38AAAAAAAAJAAAABAAAAAAAAAAMAAAAEAAAAAAAAAAAAAAAAAAAAAAAAAAeAAAAaAAAAAAAAAAAAAAAAAAAAAAAAAAAAAAAECcAABAnAAAAAAAAAAAAAAAAAAAAAAAAAAAAAAAAAAAAAAAAAAAAABQAAAAAAAAAwMD/AAAAAABkAAAAMgAAAAAAAABkAAAAAAAAAH9/fwAKAAAAHwAAAFQAAABPgb0F////AQAAAAAAAAAAAAAAAAAAAAAAAAAAAAAAAAAAAAAAAAAAAAAAAn9/fwDu7OEDzMzMAMDA/wB/f38AAAAAAAAAAAAAAAAAAAAAAAAAAAAhAAAAGAAAABQAAADIBQAAwBIAAHpIAAAYKgAAACAAACYAAAAIAAAAAYAAAAAAAAA="/>
+                <pr:smNativeData xmlns:pr="smNativeData" xmlns:p14="http://schemas.microsoft.com/office/powerpoint/2010/main" xmlns="" val="SMDATA_13_ec9PYBMAAAAlAAAAZAAAAE0AAAAAAAAAAAAAAAAAAAAAAAAAAAAAAAAAAAAAAAAAAAEAAABQAAAAAAAAAAAA4D8AAAAAAADgPwAAAAAAAOA/AAAAAAAA4D8AAAAAAADgPwAAAAAAAOA/AAAAAAAA4D8AAAAAAADgPwAAAAAAAOA/AAAAAAAA4D8CAAAAjAAAAAAAAAAAAAAAT4G9DP///wgAAAAAAAAAAAAAAAAAAAAAAAAAAAAAAAAAAAAAZAAAAAEAAABAAAAAAAAAAAAAAAAAAAAAAAAAAAAAAAAAAAAAAAAAAAAAAAAAAAAAAAAAAAAAAAAAAAAAAAAAAAAAAAAAAAAAAAAAAAAAAAAAAAAAAAAAAAAAAAAAAAAAFAAAADwAAAAAAAAAAAAAAAAAAAkUAAAAAQAAABQAAAAUAAAAFAAAAAEAAAAAAAAAZAAAAGQAAAAAAAAAZAAAAGQAAAAVAAAAYAAAAAAAAAAAAAAADwAAACADAAAAAAAAAAAAAAEAAACgMgAAVgcAAKr4//8BAAAAf39/AAEAAABkAAAAAAAAABQAAABAHwAAAAAAACYAAAAAAAAAwOD//wAAAAAmAAAAZAAAABYAAABMAAAAAAAAAAAAAAAEAAAAAAAAAAEAAADu7OEKAAAAACgAAAAoAAAAZAAAAGQAAAAAAAAAzMzMAAAAAABQAAAAUAAAAGQAAABkAAAAAAAAABcAAAAUAAAAAAAAAAAAAAD/fwAA/38AAAAAAAAJAAAABAAAAAAAAAAMAAAAEAAAAAAAAAAAAAAAAAAAAAAAAAAeAAAAaAAAAAAAAAAAAAAAAAAAAAAAAAAAAAAAECcAABAnAAAAAAAAAAAAAAAAAAAAAAAAAAAAAAAAAAAAAAAAAAAAABQAAAAAAAAAwMD/AAAAAABkAAAAMgAAAAAAAABkAAAAAAAAAH9/fwAKAAAAHwAAAFQAAABPgb0F////AQAAAAAAAAAAAAAAAAAAAAAAAAAAAAAAAAAAAAAAAAAAAAAAAn9/fwDu7OEDzMzMAMDA/wB/f38AAAAAAAAAAAAAAAAAAAAAAAAAAAAhAAAAGAAAABQAAADIBQAAwBIAAHpIAAAYKgAAACAAACYAAAAIAAAAAYAAAAAAAAA="/>
               </a:ext>
             </a:extLst>
           </p:cNvSpPr>
@@ -6620,7 +6681,7 @@
                 <a:schemeClr val="accent1"/>
               </a:buClr>
               <a:buSzPts val="2910"/>
-              <a:buFont typeface="Wingdings" pitchFamily="0" charset="0"/>
+              <a:buFont typeface="Wingdings" charset="0"/>
               <a:buChar char="§"/>
               <a:tabLst/>
               <a:defRPr lang="de-de" sz="2800" b="0" i="0" baseline="0">
@@ -6651,7 +6712,7 @@
               <a:lnSpc>
                 <a:spcPct val="150000"/>
               </a:lnSpc>
-              <a:buFont typeface="Wingdings" pitchFamily="0" charset="0"/>
+              <a:buFont typeface="Wingdings" charset="0"/>
               <a:buChar char="§"/>
               <a:defRPr lang="de-de" sz="2000" b="0" i="0" baseline="0">
                 <a:solidFill>
@@ -6739,7 +6800,7 @@
             <a:spLocks noGrp="1" noChangeArrowheads="1"/>
             <a:extLst>
               <a:ext uri="smNativeData">
-                <pr:smNativeData xmlns:pr="smNativeData" val="SMDATA_13_ec9PYBMAAAAlAAAAZAAAAA0AAAAAAAAAAAAAAAAAAAAAAAAAAAAAAAAAAAAAAAAAAAEAAABQAAAAAAAAAAAA4D8AAAAAAADgPwAAAAAAAOA/AAAAAAAA4D8AAAAAAADgPwAAAAAAAOA/AAAAAAAA4D8AAAAAAADgPwAAAAAAAOA/AAAAAAAA4D8CAAAAjAAAAAAAAAAAAAAAT4G9DP///wgAAAAAAAAAAAAAAAAAAAAAAAAAAAAAAAAAAAAAZAAAAAEAAABAAAAAAAAAAAAAAAAAAAAAAAAAAAAAAAAAAAAAAAAAAAAAAAAAAAAAAAAAAAAAAAAAAAAAAAAAAAAAAAAAAAAAAAAAAAAAAAAAAAAAAAAAAAAAAAAAAAAAFAAAADwAAAAAAAAAAAAAAAAAAAkUAAAAAQAAABQAAAAUAAAAFAAAAAEAAAAAAAAAZAAAAGQAAAAAAAAAZAAAAGQAAAAVAAAAYAAAAAAAAAAAAAAADwAAACADAAAAAAAAAAAAAAEAAACgMgAAVgcAAKr4//8BAAAAf39/AAEAAABkAAAAAAAAABQAAABAHwAAAAAAACYAAAAAAAAAwOD//wAAAAAmAAAAZAAAABYAAABMAAAAAAAAAAAAAAAEAAAAAAAAAAEAAADu7OEKAAAAACgAAAAoAAAAZAAAAGQAAAAAAAAAzMzMAAAAAABQAAAAUAAAAGQAAABkAAAAAAAAABcAAAAUAAAAAAAAAAAAAAD/fwAA/38AAAAAAAAJAAAABAAAAAAAAAAMAAAAEAAAAAAAAAAAAAAAAAAAAAAAAAAeAAAAaAAAAAAAAAAAAAAAAAAAAAAAAAAAAAAAECcAABAnAAAAAAAAAAAAAAAAAAAAAAAAAAAAAAAAAAAAAAAAAAAAABQAAAAAAAAAwMD/AAAAAABkAAAAMgAAAAAAAABkAAAAAAAAAH9/fwAKAAAAHwAAAFQAAABPgb0F////AQAAAAAAAAAAAAAAAAAAAAAAAAAAAAAAAAAAAAAAAAAAAAAAAn9/fwDu7OEDzMzMAMDA/wB/f38AAAAAAAAAAAAAAAAAAAAAAAAAAAAhAAAAGAAAABQAAADqAQAA4DgAAPAKAACYOgAAEAAAACYAAAAIAAAAAQAAAAAAAAA="/>
+                <pr:smNativeData xmlns:pr="smNativeData" xmlns:p14="http://schemas.microsoft.com/office/powerpoint/2010/main" xmlns="" val="SMDATA_13_ec9PYBMAAAAlAAAAZAAAAA0AAAAAAAAAAAAAAAAAAAAAAAAAAAAAAAAAAAAAAAAAAAEAAABQAAAAAAAAAAAA4D8AAAAAAADgPwAAAAAAAOA/AAAAAAAA4D8AAAAAAADgPwAAAAAAAOA/AAAAAAAA4D8AAAAAAADgPwAAAAAAAOA/AAAAAAAA4D8CAAAAjAAAAAAAAAAAAAAAT4G9DP///wgAAAAAAAAAAAAAAAAAAAAAAAAAAAAAAAAAAAAAZAAAAAEAAABAAAAAAAAAAAAAAAAAAAAAAAAAAAAAAAAAAAAAAAAAAAAAAAAAAAAAAAAAAAAAAAAAAAAAAAAAAAAAAAAAAAAAAAAAAAAAAAAAAAAAAAAAAAAAAAAAAAAAFAAAADwAAAAAAAAAAAAAAAAAAAkUAAAAAQAAABQAAAAUAAAAFAAAAAEAAAAAAAAAZAAAAGQAAAAAAAAAZAAAAGQAAAAVAAAAYAAAAAAAAAAAAAAADwAAACADAAAAAAAAAAAAAAEAAACgMgAAVgcAAKr4//8BAAAAf39/AAEAAABkAAAAAAAAABQAAABAHwAAAAAAACYAAAAAAAAAwOD//wAAAAAmAAAAZAAAABYAAABMAAAAAAAAAAAAAAAEAAAAAAAAAAEAAADu7OEKAAAAACgAAAAoAAAAZAAAAGQAAAAAAAAAzMzMAAAAAABQAAAAUAAAAGQAAABkAAAAAAAAABcAAAAUAAAAAAAAAAAAAAD/fwAA/38AAAAAAAAJAAAABAAAAAAAAAAMAAAAEAAAAAAAAAAAAAAAAAAAAAAAAAAeAAAAaAAAAAAAAAAAAAAAAAAAAAAAAAAAAAAAECcAABAnAAAAAAAAAAAAAAAAAAAAAAAAAAAAAAAAAAAAAAAAAAAAABQAAAAAAAAAwMD/AAAAAABkAAAAMgAAAAAAAABkAAAAAAAAAH9/fwAKAAAAHwAAAFQAAABPgb0F////AQAAAAAAAAAAAAAAAAAAAAAAAAAAAAAAAAAAAAAAAAAAAAAAAn9/fwDu7OEDzMzMAMDA/wB/f38AAAAAAAAAAAAAAAAAAAAAAAAAAAAhAAAAGAAAABQAAADqAQAA4DgAAPAKAACYOgAAEAAAACYAAAAIAAAAAQAAAAAAAAA="/>
               </a:ext>
             </a:extLst>
           </p:cNvSpPr>
@@ -6773,7 +6834,7 @@
             <a:spLocks noGrp="1" noChangeArrowheads="1"/>
             <a:extLst>
               <a:ext uri="smNativeData">
-                <pr:smNativeData xmlns:pr="smNativeData" val="SMDATA_13_ec9PYBMAAAAlAAAAZAAAAA0AAAAAAAAAAAAAAAAAAAAAAAAAAAAAAAAAAAAAAAAAAAEAAABQAAAAAAAAAAAA4D8AAAAAAADgPwAAAAAAAOA/AAAAAAAA4D8AAAAAAADgPwAAAAAAAOA/AAAAAAAA4D8AAAAAAADgPwAAAAAAAOA/AAAAAAAA4D8CAAAAjAAAAAAAAAAAAAAAT4G9DP///wgAAAAAAAAAAAAAAAAAAAAAAAAAAAAAAAAAAAAAZAAAAAEAAABAAAAAAAAAAAAAAAAAAAAAAAAAAAAAAAAAAAAAAAAAAAAAAAAAAAAAAAAAAAAAAAAAAAAAAAAAAAAAAAAAAAAAAAAAAAAAAAAAAAAAAAAAAAAAAAAAAAAAFAAAADwAAAAAAAAAAAAAAAAAAAkUAAAAAQAAABQAAAAUAAAAFAAAAAEAAAAAAAAAZAAAAGQAAAAAAAAAZAAAAGQAAAAVAAAAYAAAAAAAAAAAAAAADwAAACADAAAAAAAAAAAAAAEAAACgMgAAVgcAAKr4//8BAAAAf39/AAEAAABkAAAAAAAAABQAAABAHwAAAAAAACYAAAAAAAAAwOD//wAAAAAmAAAAZAAAABYAAABMAAAAAAAAAAAAAAAEAAAAAAAAAAEAAADu7OEKAAAAACgAAAAoAAAAZAAAAGQAAAAAAAAAzMzMAAAAAABQAAAAUAAAAGQAAABkAAAAAAAAABcAAAAUAAAAAAAAAAAAAAD/fwAA/38AAAAAAAAJAAAABAAAAAAAAAAMAAAAEAAAAAAAAAAAAAAAAAAAAAAAAAAeAAAAaAAAAAAAAAAAAAAAAAAAAAAAAAAAAAAAECcAABAnAAAAAAAAAAAAAAAAAAAAAAAAAAAAAAAAAAAAAAAAAAAAABQAAAAAAAAAwMD/AAAAAABkAAAAMgAAAAAAAABkAAAAAAAAAH9/fwAKAAAAHwAAAFQAAABPgb0F////AQAAAAAAAAAAAAAAAAAAAAAAAAAAAAAAAAAAAAAAAAAAAAAAAn9/fwDu7OEDzMzMAMDA/wB/f38AAAAAAAAAAAAAAAAAAAAAAAAAAAAhAAAAGAAAABQAAADQSAAAGDkAABZOAACYOgAAEAAAACYAAAAIAAAAAAAAAAAAAAA="/>
+                <pr:smNativeData xmlns:pr="smNativeData" xmlns:p14="http://schemas.microsoft.com/office/powerpoint/2010/main" xmlns="" val="SMDATA_13_ec9PYBMAAAAlAAAAZAAAAA0AAAAAAAAAAAAAAAAAAAAAAAAAAAAAAAAAAAAAAAAAAAEAAABQAAAAAAAAAAAA4D8AAAAAAADgPwAAAAAAAOA/AAAAAAAA4D8AAAAAAADgPwAAAAAAAOA/AAAAAAAA4D8AAAAAAADgPwAAAAAAAOA/AAAAAAAA4D8CAAAAjAAAAAAAAAAAAAAAT4G9DP///wgAAAAAAAAAAAAAAAAAAAAAAAAAAAAAAAAAAAAAZAAAAAEAAABAAAAAAAAAAAAAAAAAAAAAAAAAAAAAAAAAAAAAAAAAAAAAAAAAAAAAAAAAAAAAAAAAAAAAAAAAAAAAAAAAAAAAAAAAAAAAAAAAAAAAAAAAAAAAAAAAAAAAFAAAADwAAAAAAAAAAAAAAAAAAAkUAAAAAQAAABQAAAAUAAAAFAAAAAEAAAAAAAAAZAAAAGQAAAAAAAAAZAAAAGQAAAAVAAAAYAAAAAAAAAAAAAAADwAAACADAAAAAAAAAAAAAAEAAACgMgAAVgcAAKr4//8BAAAAf39/AAEAAABkAAAAAAAAABQAAABAHwAAAAAAACYAAAAAAAAAwOD//wAAAAAmAAAAZAAAABYAAABMAAAAAAAAAAAAAAAEAAAAAAAAAAEAAADu7OEKAAAAACgAAAAoAAAAZAAAAGQAAAAAAAAAzMzMAAAAAABQAAAAUAAAAGQAAABkAAAAAAAAABcAAAAUAAAAAAAAAAAAAAD/fwAA/38AAAAAAAAJAAAABAAAAAAAAAAMAAAAEAAAAAAAAAAAAAAAAAAAAAAAAAAeAAAAaAAAAAAAAAAAAAAAAAAAAAAAAAAAAAAAECcAABAnAAAAAAAAAAAAAAAAAAAAAAAAAAAAAAAAAAAAAAAAAAAAABQAAAAAAAAAwMD/AAAAAABkAAAAMgAAAAAAAABkAAAAAAAAAH9/fwAKAAAAHwAAAFQAAABPgb0F////AQAAAAAAAAAAAAAAAAAAAAAAAAAAAAAAAAAAAAAAAAAAAAAAAn9/fwDu7OEDzMzMAMDA/wB/f38AAAAAAAAAAAAAAAAAAAAAAAAAAAAhAAAAGAAAABQAAADQSAAAGDkAABZOAACYOgAAEAAAACYAAAAIAAAAAAAAAAAAAAA="/>
               </a:ext>
             </a:extLst>
           </p:cNvSpPr>
@@ -6790,8 +6851,9 @@
               <a:defRPr lang="de-de"/>
             </a:pPr>
             <a:fld id="{384F9F8C-C2D5-1A69-9BF7-343CD1B96D61}" type="slidenum">
-              <a:t>8</a:t>
+              <a:t>16</a:t>
             </a:fld>
+            <a:endParaRPr/>
           </a:p>
         </p:txBody>
       </p:sp>
@@ -6800,18 +6862,11 @@
   <p:clrMapOvr>
     <a:masterClrMapping/>
   </p:clrMapOvr>
-  <p:timing>
-    <p:tnLst>
-      <p:par>
-        <p:cTn id="1" dur="indefinite" restart="never" nodeType="tmRoot"/>
-      </p:par>
-    </p:tnLst>
-  </p:timing>
 </p:sld>
 </file>
 
-<file path=ppt/slides/slide9.xml><?xml version="1.0" encoding="utf-8"?>
-<p:sld xmlns:p="http://schemas.openxmlformats.org/presentationml/2006/main" xmlns:p14="http://schemas.microsoft.com/office/powerpoint/2010/main" xmlns:r="http://schemas.openxmlformats.org/officeDocument/2006/relationships" xmlns:a="http://schemas.openxmlformats.org/drawingml/2006/main">
+<file path=ppt/slides/slide17.xml><?xml version="1.0" encoding="utf-8"?>
+<p:sld xmlns:a="http://schemas.openxmlformats.org/drawingml/2006/main" xmlns:r="http://schemas.openxmlformats.org/officeDocument/2006/relationships" xmlns:p="http://schemas.openxmlformats.org/presentationml/2006/main">
   <p:cSld>
     <p:spTree>
       <p:nvGrpSpPr>
@@ -6834,7 +6889,7 @@
             <a:spLocks noGrp="1" noChangeArrowheads="1"/>
             <a:extLst>
               <a:ext uri="smNativeData">
-                <pr:smNativeData xmlns:pr="smNativeData" val="SMDATA_13_ec9PYBMAAAAlAAAAZAAAAE0AAAAAAAAAAAAAAAAAAAAAAAAAAAAAAAAAAAAAAAAAAAEAAABQAAAAAAAAAAAA4D8AAAAAAADgPwAAAAAAAOA/AAAAAAAA4D8AAAAAAADgPwAAAAAAAOA/AAAAAAAA4D8AAAAAAADgPwAAAAAAAOA/AAAAAAAA4D8CAAAAjAAAAAAAAAAAAAAAT4G9DP///wgAAAAAAAAAAAAAAAAAAAAAAAAAAAAAAAAAAAAAZAAAAAEAAABAAAAAAAAAAAAAAAAAAAAAAAAAAAAAAAAAAAAAAAAAAAAAAAAAAAAAAAAAAAAAAAAAAAAAAAAAAAAAAAAAAAAAAAAAAAAAAAAAAAAAAAAAAAAAAAAAAAAAFAAAADwAAAAAAAAAAAAAAAAAAAkUAAAAAQAAABQAAAAUAAAAFAAAAAEAAAAAAAAAZAAAAGQAAAAAAAAAZAAAAGQAAAAVAAAAYAAAAAAAAAAAAAAADwAAACADAAAAAAAAAAAAAAEAAACgMgAAVgcAAKr4//8BAAAAf39/AAEAAABkAAAAAAAAABQAAABAHwAAAAAAACYAAAAAAAAAwOD//wAAAAAmAAAAZAAAABYAAABMAAAAAAAAAAAAAAAEAAAAAAAAAAEAAADu7OEKAAAAACgAAAAoAAAAZAAAAGQAAAAAAAAAzMzMAAAAAABQAAAAUAAAAGQAAABkAAAAAAAAABcAAAAUAAAAAAAAAAAAAAD/fwAA/38AAAAAAAAJAAAABAAAAAAAAAAMAAAAEAAAAAAAAAAAAAAAAAAAAAAAAAAeAAAAaAAAAAAAAAAAAAAAAAAAAAAAAAAAAAAAECcAABAnAAAAAAAAAAAAAAAAAAAAAAAAAAAAAAAAAAAAAAAAAAAAABQAAAAAAAAAwMD/AAAAAABkAAAAMgAAAAAAAABkAAAAAAAAAH9/fwAKAAAAHwAAAFQAAABPgb0F////AQAAAAAAAAAAAAAAAAAAAAAAAAAAAAAAAAAAAAAAAAAAAAAAAn9/fwDu7OEDzMzMAMDA/wB/f38AAAAAAAAAAAAAAAAAAAAAAAAAAAAhAAAAGAAAABQAAADIBQAAoCMAAMg9AADmJQAAECAAACYAAAAIAAAAAAAAAAAAAAA="/>
+                <pr:smNativeData xmlns:pr="smNativeData" xmlns:p14="http://schemas.microsoft.com/office/powerpoint/2010/main" xmlns="" val="SMDATA_13_ec9PYBMAAAAlAAAAZAAAAE0AAAAAAAAAAAAAAAAAAAAAAAAAAAAAAAAAAAAAAAAAAAEAAABQAAAAAAAAAAAA4D8AAAAAAADgPwAAAAAAAOA/AAAAAAAA4D8AAAAAAADgPwAAAAAAAOA/AAAAAAAA4D8AAAAAAADgPwAAAAAAAOA/AAAAAAAA4D8CAAAAjAAAAAAAAAAAAAAAT4G9DP///wgAAAAAAAAAAAAAAAAAAAAAAAAAAAAAAAAAAAAAZAAAAAEAAABAAAAAAAAAAAAAAAAAAAAAAAAAAAAAAAAAAAAAAAAAAAAAAAAAAAAAAAAAAAAAAAAAAAAAAAAAAAAAAAAAAAAAAAAAAAAAAAAAAAAAAAAAAAAAAAAAAAAAFAAAADwAAAAAAAAAAAAAAAAAAAkUAAAAAQAAABQAAAAUAAAAFAAAAAEAAAAAAAAAZAAAAGQAAAAAAAAAZAAAAGQAAAAVAAAAYAAAAAAAAAAAAAAADwAAACADAAAAAAAAAAAAAAEAAACgMgAAVgcAAKr4//8BAAAAf39/AAEAAABkAAAAAAAAABQAAABAHwAAAAAAACYAAAAAAAAAwOD//wAAAAAmAAAAZAAAABYAAABMAAAAAAAAAAAAAAAEAAAAAAAAAAEAAADu7OEKAAAAACgAAAAoAAAAZAAAAGQAAAAAAAAAzMzMAAAAAABQAAAAUAAAAGQAAABkAAAAAAAAABcAAAAUAAAAAAAAAAAAAAD/fwAA/38AAAAAAAAJAAAABAAAAAAAAAAMAAAAEAAAAAAAAAAAAAAAAAAAAAAAAAAeAAAAaAAAAAAAAAAAAAAAAAAAAAAAAAAAAAAAECcAABAnAAAAAAAAAAAAAAAAAAAAAAAAAAAAAAAAAAAAAAAAAAAAABQAAAAAAAAAwMD/AAAAAABkAAAAMgAAAAAAAABkAAAAAAAAAH9/fwAKAAAAHwAAAFQAAABPgb0F////AQAAAAAAAAAAAAAAAAAAAAAAAAAAAAAAAAAAAAAAAAAAAAAAAn9/fwDu7OEDzMzMAMDA/wB/f38AAAAAAAAAAAAAAAAAAAAAAAAAAAAhAAAAGAAAABQAAADIBQAAoCMAAMg9AADmJQAAECAAACYAAAAIAAAAAAAAAAAAAAA="/>
               </a:ext>
             </a:extLst>
           </p:cNvSpPr>
@@ -6854,7 +6909,6 @@
               <a:rPr lang="en-gb"/>
               <a:t>Do you have any questions?</a:t>
             </a:r>
-            <a:endParaRPr lang="en-gb"/>
           </a:p>
         </p:txBody>
       </p:sp>
@@ -6865,7 +6919,7 @@
             <a:spLocks noGrp="1" noChangeArrowheads="1"/>
             <a:extLst>
               <a:ext uri="smNativeData">
-                <pr:smNativeData xmlns:pr="smNativeData" val="SMDATA_13_ec9PYBMAAAAlAAAAZAAAAE0AAAAAAAAAAAAAAAAAAAAAAAAAAAAAAAAAAAAAAAAAAAEAAABQAAAAAAAAAAAA4D8AAAAAAADgPwAAAAAAAOA/AAAAAAAA4D8AAAAAAADgPwAAAAAAAOA/AAAAAAAA4D8AAAAAAADgPwAAAAAAAOA/AAAAAAAA4D8CAAAAjAAAAAAAAAAAAAAAT4G9DP///wgAAAAAAAAAAAAAAAAAAAAAAAAAAAAAAAAAAAAAZAAAAAEAAABAAAAAAAAAAAAAAAAAAAAAAAAAAAAAAAAAAAAAAAAAAAAAAAAAAAAAAAAAAAAAAAAAAAAAAAAAAAAAAAAAAAAAAAAAAAAAAAAAAAAAAAAAAAAAAAAAAAAAFAAAADwAAAAAAAAAAAAAAAAAAAkUAAAAAQAAABQAAAAUAAAAFAAAAAEAAAAAAAAAZAAAAGQAAAAAAAAAZAAAAGQAAAAVAAAAYAAAAAAAAAAAAAAADwAAACADAAAAAAAAAAAAAAEAAACgMgAAVgcAAKr4//8BAAAAf39/AAEAAABkAAAAAAAAABQAAABAHwAAAAAAACYAAAAAAAAAwOD//wAAAAAmAAAAZAAAABYAAABMAAAAAAAAAAAAAAAEAAAAAAAAAAEAAADu7OEKAAAAACgAAAAoAAAAZAAAAGQAAAAAAAAAzMzMAAAAAABQAAAAUAAAAGQAAABkAAAAAAAAABcAAAAUAAAAAAAAAAAAAAD/fwAA/38AAAAAAAAJAAAABAAAAAAAAAAMAAAAEAAAAAAAAAAAAAAAAAAAAAAAAAAeAAAAaAAAAAAAAAAAAAAAAAAAAAAAAAAAAAAAECcAABAnAAAAAAAAAAAAAAAAAAAAAAAAAAAAAAAAAAAAAAAAAAAAABQAAAAAAAAAwMD/AAAAAABkAAAAMgAAAAAAAABkAAAAAAAAAH9/fwAKAAAAHwAAAFQAAABPgb0F////AQAAAAAAAAAAAAAAAAAAAAAAAAAAAAAAAAAAAAAAAAAAAAAAAn9/fwDu7OEDzMzMAMDA/wB/f38AAAAAAAAAAAAAAAAAAAAAAAAAAAAhAAAAGAAAABQAAACSBQAAmBwAAERIAABGIgAAECAAACYAAAAIAAAAAAAAAAAAAAA="/>
+                <pr:smNativeData xmlns:pr="smNativeData" xmlns:p14="http://schemas.microsoft.com/office/powerpoint/2010/main" xmlns="" val="SMDATA_13_ec9PYBMAAAAlAAAAZAAAAE0AAAAAAAAAAAAAAAAAAAAAAAAAAAAAAAAAAAAAAAAAAAEAAABQAAAAAAAAAAAA4D8AAAAAAADgPwAAAAAAAOA/AAAAAAAA4D8AAAAAAADgPwAAAAAAAOA/AAAAAAAA4D8AAAAAAADgPwAAAAAAAOA/AAAAAAAA4D8CAAAAjAAAAAAAAAAAAAAAT4G9DP///wgAAAAAAAAAAAAAAAAAAAAAAAAAAAAAAAAAAAAAZAAAAAEAAABAAAAAAAAAAAAAAAAAAAAAAAAAAAAAAAAAAAAAAAAAAAAAAAAAAAAAAAAAAAAAAAAAAAAAAAAAAAAAAAAAAAAAAAAAAAAAAAAAAAAAAAAAAAAAAAAAAAAAFAAAADwAAAAAAAAAAAAAAAAAAAkUAAAAAQAAABQAAAAUAAAAFAAAAAEAAAAAAAAAZAAAAGQAAAAAAAAAZAAAAGQAAAAVAAAAYAAAAAAAAAAAAAAADwAAACADAAAAAAAAAAAAAAEAAACgMgAAVgcAAKr4//8BAAAAf39/AAEAAABkAAAAAAAAABQAAABAHwAAAAAAACYAAAAAAAAAwOD//wAAAAAmAAAAZAAAABYAAABMAAAAAAAAAAAAAAAEAAAAAAAAAAEAAADu7OEKAAAAACgAAAAoAAAAZAAAAGQAAAAAAAAAzMzMAAAAAABQAAAAUAAAAGQAAABkAAAAAAAAABcAAAAUAAAAAAAAAAAAAAD/fwAA/38AAAAAAAAJAAAABAAAAAAAAAAMAAAAEAAAAAAAAAAAAAAAAAAAAAAAAAAeAAAAaAAAAAAAAAAAAAAAAAAAAAAAAAAAAAAAECcAABAnAAAAAAAAAAAAAAAAAAAAAAAAAAAAAAAAAAAAAAAAAAAAABQAAAAAAAAAwMD/AAAAAABkAAAAMgAAAAAAAABkAAAAAAAAAH9/fwAKAAAAHwAAAFQAAABPgb0F////AQAAAAAAAAAAAAAAAAAAAAAAAAAAAAAAAAAAAAAAAAAAAAAAAn9/fwDu7OEDzMzMAMDA/wB/f38AAAAAAAAAAAAAAAAAAAAAAAAAAAAhAAAAGAAAABQAAACSBQAAmBwAAERIAABGIgAAECAAACYAAAAIAAAAAAAAAAAAAAA="/>
               </a:ext>
             </a:extLst>
           </p:cNvSpPr>
@@ -6885,7 +6939,6 @@
               <a:rPr lang="en-gb"/>
               <a:t>Thanks for your attention!</a:t>
             </a:r>
-            <a:endParaRPr lang="en-gb"/>
           </a:p>
         </p:txBody>
       </p:sp>
@@ -6896,7 +6949,7 @@
             <a:spLocks noGrp="1" noChangeArrowheads="1"/>
             <a:extLst>
               <a:ext uri="smNativeData">
-                <pr:smNativeData xmlns:pr="smNativeData" val="SMDATA_13_ec9PYBMAAAAlAAAAZAAAAE0AAAAAAAAAAAAAAAAAAAAAAAAAAAAAAAAAAAAAAAAAAAEAAABQAAAAAAAAAAAA4D8AAAAAAADgPwAAAAAAAOA/AAAAAAAA4D8AAAAAAADgPwAAAAAAAOA/AAAAAAAA4D8AAAAAAADgPwAAAAAAAOA/AAAAAAAA4D8CAAAAjAAAAAAAAAAAAAAAT4G9DP///wgAAAAAAAAAAAAAAAAAAAAAAAAAAAAAAAAAAAAAZAAAAAEAAABAAAAAAAAAAAAAAAAAAAAAAAAAAAAAAAAAAAAAAAAAAAAAAAAAAAAAAAAAAAAAAAAAAAAAAAAAAAAAAAAAAAAAAAAAAAAAAAAAAAAAAAAAAAAAAAAAAAAAFAAAADwAAAAAAAAAAAAAAAAAAAkUAAAAAQAAABQAAAAUAAAAFAAAAAEAAAAAAAAAZAAAAGQAAAAAAAAAZAAAAGQAAAAVAAAAYAAAAAAAAAAAAAAADwAAACADAAAAAAAAAAAAAAEAAACgMgAAVgcAAKr4//8BAAAAf39/AAEAAABkAAAAAAAAABQAAABAHwAAAAAAACYAAAAAAAAAwOD//wAAAAAmAAAAZAAAABYAAABMAAAAAAAAAAAAAAAEAAAAAAAAAAEAAADu7OEKAAAAACgAAAAoAAAAZAAAAGQAAAAAAAAAzMzMAAAAAABQAAAAUAAAAGQAAABkAAAAAAAAABcAAAAUAAAAAAAAAAAAAAD/fwAA/38AAAAAAAAJAAAABAAAAAAAAAAMAAAAEAAAAAAAAAAAAAAAAAAAAAAAAAAeAAAAaAAAAAAAAAAAAAAAAAAAAAAAAAAAAAAAECcAABAnAAAAAAAAAAAAAAAAAAAAAAAAAAAAAAAAAAAAAAAAAAAAABQAAAAAAAAAwMD/AAAAAABkAAAAMgAAAAAAAABkAAAAAAAAAH9/fwAKAAAAHwAAAFQAAABPgb0F////AQAAAAAAAAAAAAAAAAAAAAAAAAAAAAAAAAAAAAAAAAAAAAAAAn9/fwDu7OEDzMzMAMDA/wB/f38AAAAAAAAAAAAAAAAAAAAAAAAAAAAhAAAAGAAAABQAAADIBQAAyBkAAGg4AACZGwAAECAAACYAAAAIAAAAAAAAAAAAAAA="/>
+                <pr:smNativeData xmlns:pr="smNativeData" xmlns:p14="http://schemas.microsoft.com/office/powerpoint/2010/main" xmlns="" val="SMDATA_13_ec9PYBMAAAAlAAAAZAAAAE0AAAAAAAAAAAAAAAAAAAAAAAAAAAAAAAAAAAAAAAAAAAEAAABQAAAAAAAAAAAA4D8AAAAAAADgPwAAAAAAAOA/AAAAAAAA4D8AAAAAAADgPwAAAAAAAOA/AAAAAAAA4D8AAAAAAADgPwAAAAAAAOA/AAAAAAAA4D8CAAAAjAAAAAAAAAAAAAAAT4G9DP///wgAAAAAAAAAAAAAAAAAAAAAAAAAAAAAAAAAAAAAZAAAAAEAAABAAAAAAAAAAAAAAAAAAAAAAAAAAAAAAAAAAAAAAAAAAAAAAAAAAAAAAAAAAAAAAAAAAAAAAAAAAAAAAAAAAAAAAAAAAAAAAAAAAAAAAAAAAAAAAAAAAAAAFAAAADwAAAAAAAAAAAAAAAAAAAkUAAAAAQAAABQAAAAUAAAAFAAAAAEAAAAAAAAAZAAAAGQAAAAAAAAAZAAAAGQAAAAVAAAAYAAAAAAAAAAAAAAADwAAACADAAAAAAAAAAAAAAEAAACgMgAAVgcAAKr4//8BAAAAf39/AAEAAABkAAAAAAAAABQAAABAHwAAAAAAACYAAAAAAAAAwOD//wAAAAAmAAAAZAAAABYAAABMAAAAAAAAAAAAAAAEAAAAAAAAAAEAAADu7OEKAAAAACgAAAAoAAAAZAAAAGQAAAAAAAAAzMzMAAAAAABQAAAAUAAAAGQAAABkAAAAAAAAABcAAAAUAAAAAAAAAAAAAAD/fwAA/38AAAAAAAAJAAAABAAAAAAAAAAMAAAAEAAAAAAAAAAAAAAAAAAAAAAAAAAeAAAAaAAAAAAAAAAAAAAAAAAAAAAAAAAAAAAAECcAABAnAAAAAAAAAAAAAAAAAAAAAAAAAAAAAAAAAAAAAAAAAAAAABQAAAAAAAAAwMD/AAAAAABkAAAAMgAAAAAAAABkAAAAAAAAAH9/fwAKAAAAHwAAAFQAAABPgb0F////AQAAAAAAAAAAAAAAAAAAAAAAAAAAAAAAAAAAAAAAAAAAAAAAAn9/fwDu7OEDzMzMAMDA/wB/f38AAAAAAAAAAAAAAAAAAAAAAAAAAAAhAAAAGAAAABQAAADIBQAAyBkAAGg4AACZGwAAECAAACYAAAAIAAAAAAAAAAAAAAA="/>
               </a:ext>
             </a:extLst>
           </p:cNvSpPr>
@@ -6912,6 +6965,7 @@
             <a:pPr>
               <a:defRPr lang="de-de" cap="small"/>
             </a:pPr>
+            <a:endParaRPr/>
           </a:p>
         </p:txBody>
       </p:sp>
@@ -6920,13 +6974,2683 @@
   <p:clrMapOvr>
     <a:masterClrMapping/>
   </p:clrMapOvr>
-  <p:timing>
-    <p:tnLst>
-      <p:par>
-        <p:cTn id="1" dur="indefinite" restart="never" nodeType="tmRoot"/>
-      </p:par>
-    </p:tnLst>
-  </p:timing>
+</p:sld>
+</file>
+
+<file path=ppt/slides/slide18.xml><?xml version="1.0" encoding="utf-8"?>
+<p:sld xmlns:a="http://schemas.openxmlformats.org/drawingml/2006/main" xmlns:r="http://schemas.openxmlformats.org/officeDocument/2006/relationships" xmlns:p="http://schemas.openxmlformats.org/presentationml/2006/main">
+  <p:cSld>
+    <p:spTree>
+      <p:nvGrpSpPr>
+        <p:cNvPr id="1" name=""/>
+        <p:cNvGrpSpPr/>
+        <p:nvPr/>
+      </p:nvGrpSpPr>
+      <p:grpSpPr>
+        <a:xfrm>
+          <a:off x="0" y="0"/>
+          <a:ext cx="0" cy="0"/>
+          <a:chOff x="0" y="0"/>
+          <a:chExt cx="0" cy="0"/>
+        </a:xfrm>
+      </p:grpSpPr>
+      <p:sp>
+        <p:nvSpPr>
+          <p:cNvPr id="2" name="Titre 1"/>
+          <p:cNvSpPr>
+            <a:spLocks noGrp="1" noChangeArrowheads="1"/>
+            <a:extLst>
+              <a:ext uri="smNativeData">
+                <pr:smNativeData xmlns:pr="smNativeData" xmlns:p14="http://schemas.microsoft.com/office/powerpoint/2010/main" xmlns="" val="SMDATA_13_ec9PYBMAAAAlAAAAZAAAAE0AAAAAAAAAAAAAAAAAAAAAAAAAAAAAAAAAAAAAAAAAAAEAAABQAAAAAAAAAAAA4D8AAAAAAADgPwAAAAAAAOA/AAAAAAAA4D8AAAAAAADgPwAAAAAAAOA/AAAAAAAA4D8AAAAAAADgPwAAAAAAAOA/AAAAAAAA4D8CAAAAjAAAAAAAAAAAAAAAT4G9DP///wgAAAAAAAAAAAAAAAAAAAAAAAAAAAAAAAAAAAAAZAAAAAEAAABAAAAAAAAAAAAAAAAAAAAAAAAAAAAAAAAAAAAAAAAAAAAAAAAAAAAAAAAAAAAAAAAAAAAAAAAAAAAAAAAAAAAAAAAAAAAAAAAAAAAAAAAAAAAAAAAAAAAAFAAAADwAAAAAAAAAAAAAAAAAAAkUAAAAAQAAABQAAAAUAAAAFAAAAAEAAAAAAAAAZAAAAGQAAAAAAAAAZAAAAGQAAAAVAAAAYAAAAAAAAAAAAAAADwAAACADAAAAAAAAAAAAAAEAAACgMgAAVgcAAKr4//8BAAAAf39/AAEAAABkAAAAAAAAABQAAABAHwAAAAAAACYAAAAAAAAAwOD//wAAAAAmAAAAZAAAABYAAABMAAAAAAAAAAAAAAAEAAAAAAAAAAEAAADu7OEKAAAAACgAAAAoAAAAZAAAAGQAAAAAAAAAzMzMAAAAAABQAAAAUAAAAGQAAABkAAAAAAAAABcAAAAUAAAAAAAAAAAAAAD/fwAA/38AAAAAAAAJAAAABAAAAAAAAAAMAAAAEAAAAAAAAAAAAAAAAAAAAAAAAAAeAAAAaAAAAAAAAAAAAAAAAAAAAAAAAAAAAAAAECcAABAnAAAAAAAAAAAAAAAAAAAAAAAAAAAAAAAAAAAAAAAAAAAAABQAAAAAAAAAwMD/AAAAAABkAAAAMgAAAAAAAABkAAAAAAAAAH9/fwAKAAAAHwAAAFQAAABPgb0F////AQAAAAAAAAAAAAAAAAAAAAAAAAAAAAAAAAAAAAAAAAAAAAAAAn9/fwDu7OEDzMzMAMDA/wB/f38AAAAAAAAAAAAAAAAAAAAAAAAAAAAhAAAAGAAAABQAAADIBQAAiQsAAHpIAACzDwAAECAAACYAAAAIAAAAAAAAAAAAAAA="/>
+              </a:ext>
+            </a:extLst>
+          </p:cNvSpPr>
+          <p:nvPr>
+            <p:ph type="title"/>
+          </p:nvPr>
+        </p:nvSpPr>
+        <p:spPr/>
+        <p:txBody>
+          <a:bodyPr/>
+          <a:lstStyle/>
+          <a:p>
+            <a:pPr>
+              <a:defRPr lang="de-de"/>
+            </a:pPr>
+            <a:r>
+              <a:rPr lang="en-gb"/>
+              <a:t>References</a:t>
+            </a:r>
+          </a:p>
+        </p:txBody>
+      </p:sp>
+      <p:sp>
+        <p:nvSpPr>
+          <p:cNvPr id="3" name="Espace réservé du texte 2"/>
+          <p:cNvSpPr>
+            <a:spLocks noGrp="1" noChangeArrowheads="1"/>
+            <a:extLst>
+              <a:ext uri="smNativeData">
+                <pr:smNativeData xmlns:pr="smNativeData" xmlns:p14="http://schemas.microsoft.com/office/powerpoint/2010/main" xmlns="" val="SMDATA_13_ec9PYBMAAAAlAAAAZAAAAE0AAAAAAAAAAAAAAAAAAAAAAAAAAAAAAAAAAAAAAAAAAAEAAABQAAAAAAAAAAAA4D8AAAAAAADgPwAAAAAAAOA/AAAAAAAA4D8AAAAAAADgPwAAAAAAAOA/AAAAAAAA4D8AAAAAAADgPwAAAAAAAOA/AAAAAAAA4D8CAAAAjAAAAAAAAAAAAAAAT4G9DP///wgAAAAAAAAAAAAAAAAAAAAAAAAAAAAAAAAAAAAAZAAAAAEAAABAAAAAAAAAAAAAAAAAAAAAAAAAAAAAAAAAAAAAAAAAAAAAAAAAAAAAAAAAAAAAAAAAAAAAAAAAAAAAAAAAAAAAAAAAAAAAAAAAAAAAAAAAAAAAAAAAAAAAFAAAADwAAAAAAAAAAAAAAAAAAAkUAAAAAQAAABQAAAAUAAAAFAAAAAEAAAAAAAAAZAAAAGQAAAAAAAAAZAAAAGQAAAAVAAAAYAAAAAAAAAAAAAAADwAAACADAAAAAAAAAAAAAAEAAACgMgAAVgcAAKr4//8BAAAAf39/AAEAAABkAAAAAAAAABQAAABAHwAAAAAAACYAAAAAAAAAwOD//wAAAAAmAAAAZAAAABYAAABMAAAAAAAAAAAAAAAEAAAAAAAAAAEAAADu7OEKAAAAACgAAAAoAAAAZAAAAGQAAAAAAAAAzMzMAAAAAABQAAAAUAAAAGQAAABkAAAAAAAAABcAAAAUAAAAAAAAAAAAAAD/fwAA/38AAAAAAAAJAAAABAAAAAAAAAAMAAAAEAAAAAAAAAAAAAAAAAAAAAAAAAAeAAAAaAAAAAAAAAAAAAAAAAAAAAAAAAAAAAAAECcAABAnAAAAAAAAAAAAAAAAAAAAAAAAAAAAAAAAAAAAAAAAAAAAABQAAAAAAAAAwMD/AAAAAABkAAAAMgAAAAAAAABkAAAAAAAAAH9/fwAKAAAAHwAAAFQAAABPgb0F////AQAAAAAAAAAAAAAAAAAAAAAAAAAAAAAAAAAAAAAAAAAAAAAAAn9/fwDu7OEDzMzMAMDA/wB/f38AAAAAAAAAAAAAAAAAAAAAAAAAAAAhAAAAGAAAABQAAADIBQAAwBIAAKpJAACgOwAAACAAACYAAAAIAAAAAQAAAAAAAAA="/>
+              </a:ext>
+            </a:extLst>
+          </p:cNvSpPr>
+          <p:nvPr>
+            <p:ph type="body" idx="1"/>
+          </p:nvPr>
+        </p:nvSpPr>
+        <p:spPr>
+          <a:xfrm>
+            <a:off x="939800" y="3048000"/>
+            <a:ext cx="11035030" cy="6644640"/>
+          </a:xfrm>
+        </p:spPr>
+        <p:txBody>
+          <a:bodyPr/>
+          <a:lstStyle/>
+          <a:p>
+            <a:pPr marL="271780" indent="-271780" algn="just">
+              <a:spcAft>
+                <a:spcPts val="600"/>
+              </a:spcAft>
+              <a:defRPr lang="de-de"/>
+            </a:pPr>
+            <a:r>
+              <a:rPr lang="en-gb" sz="1600"/>
+              <a:t>[1] P. Datta, A. S. Namin, and M. Chatterjee, “A survey of privacy concerns in wearable devices,” in 2018 IEEE International Conference on Big Data (Big Data), IEEE, 2018, pp. 4549–4553.</a:t>
+            </a:r>
+          </a:p>
+          <a:p>
+            <a:pPr marL="271780" indent="-271780" algn="just">
+              <a:spcAft>
+                <a:spcPts val="600"/>
+              </a:spcAft>
+              <a:defRPr lang="en-gb" sz="1600"/>
+            </a:pPr>
+            <a:r>
+              <a:t>[2] V. G. Motti and K. Caine, “Users’ privacy concerns about wearables,” in International Conference on Financial Cryptography and Data Security, Springer, 2015, pp. 231–244.</a:t>
+            </a:r>
+          </a:p>
+          <a:p>
+            <a:pPr marL="271780" indent="-271780" algn="just">
+              <a:spcAft>
+                <a:spcPts val="600"/>
+              </a:spcAft>
+              <a:defRPr lang="en-gb" sz="1600"/>
+            </a:pPr>
+            <a:r>
+              <a:t>[3] D. Dobbelstein, P. Henzler, and E. Rukzio, “Unconstrained pedestrian navigation based on vibro-tactile feedback around the wristband of a smartwatch,” in Proceedings of the 2016 CHI Conference Extended Abstracts on Human Factors in Computing Systems, 2016, pp. 2439–2445.</a:t>
+            </a:r>
+          </a:p>
+          <a:p>
+            <a:pPr marL="271780" indent="-271780" algn="just">
+              <a:spcAft>
+                <a:spcPts val="600"/>
+              </a:spcAft>
+              <a:defRPr lang="en-gb" sz="1600"/>
+            </a:pPr>
+            <a:r>
+              <a:t>[4] S. Goodman, S. Kirchner, R. Guttman, D. Jain, J. Froehlich, and L. Findlater, “Evaluating smartwatch-based sound feedback for deaf and hard-of-hearing users across contexts,” in Proceedings of the 2020 CHI Conference on Human Factors in Computing Systems, 2020, pp. 1–13.</a:t>
+            </a:r>
+          </a:p>
+          <a:p>
+            <a:pPr marL="271780" indent="-271780" algn="just">
+              <a:spcAft>
+                <a:spcPts val="600"/>
+              </a:spcAft>
+              <a:defRPr lang="en-gb" sz="1600"/>
+            </a:pPr>
+            <a:r>
+              <a:t>[5] J. Lee, Y. Song, J. Oh, Y. Chee, C. Ahn, H. Shin, H. Kang, and T. H. Lim, “Smartwatch feedback device for high-qualit chest compressions by a single rescuer during infant cardiac arrest: A randomized, controlled simulation study,” European Journal of Emergency Medicine, vol. 26, no. 4, p. 266, 2019.</a:t>
+            </a:r>
+          </a:p>
+          <a:p>
+            <a:pPr marL="271780" indent="-271780" algn="just">
+              <a:spcAft>
+                <a:spcPts val="600"/>
+              </a:spcAft>
+              <a:defRPr lang="en-gb" sz="1600"/>
+            </a:pPr>
+            <a:r>
+              <a:t>[6] M. Williams, J. R. Nurse, and S. Creese, “(smart) watch out! encouraging privacy-protective behavior through interactive games,” International Journal of Human-Computer Studies, vol. 132, pp. 121–137, 2019. </a:t>
+            </a:r>
+          </a:p>
+          <a:p>
+            <a:pPr marL="271780" indent="-271780" algn="just">
+              <a:spcAft>
+                <a:spcPts val="600"/>
+              </a:spcAft>
+              <a:defRPr lang="en-gb" sz="1600"/>
+            </a:pPr>
+            <a:r>
+              <a:t>[7] S. Patil, R. Hoyle, R. Schlegel, A. Kapadia, and A. J. Lee, “Interrupt now or inform later? comparing immediate and delayed privacy feedback,” in Proceedings of the 33rd Annual ACM Conference on Human Factors in Computing Systems, 2015, pp. 1415–1418.</a:t>
+            </a:r>
+          </a:p>
+          <a:p>
+            <a:pPr marL="271780" indent="-271780" algn="just">
+              <a:spcAft>
+                <a:spcPts val="600"/>
+              </a:spcAft>
+              <a:defRPr lang="en-gb" sz="1600"/>
+            </a:pPr>
+            <a:r>
+              <a:t>[8] E. S. Udoh and A. Alkharashi, “Privacy risk awareness and the behavior of smartwatch users: A case study of indiana university students,” in 2016 Future Technologies Conference (FTC), IEEE, 2016, pp. 926–931.</a:t>
+            </a:r>
+          </a:p>
+          <a:p>
+            <a:pPr marL="271780" indent="-271780" algn="just">
+              <a:spcAft>
+                <a:spcPts val="600"/>
+              </a:spcAft>
+              <a:defRPr lang="en-gb" sz="1600"/>
+            </a:pPr>
+            <a:endParaRPr/>
+          </a:p>
+          <a:p>
+            <a:pPr marL="271780" indent="-271780" algn="just">
+              <a:spcAft>
+                <a:spcPts val="600"/>
+              </a:spcAft>
+              <a:defRPr lang="de-de"/>
+            </a:pPr>
+            <a:endParaRPr/>
+          </a:p>
+          <a:p>
+            <a:pPr marL="271780" indent="-271780" algn="l">
+              <a:defRPr lang="de-de"/>
+            </a:pPr>
+            <a:endParaRPr lang="en-gb" sz="1400"/>
+          </a:p>
+          <a:p>
+            <a:pPr marL="271780" indent="-271780" algn="l">
+              <a:defRPr lang="de-de"/>
+            </a:pPr>
+            <a:endParaRPr lang="en-gb" sz="1400"/>
+          </a:p>
+          <a:p>
+            <a:pPr algn="l">
+              <a:defRPr lang="de-de"/>
+            </a:pPr>
+            <a:endParaRPr lang="en-gb" sz="1400"/>
+          </a:p>
+        </p:txBody>
+      </p:sp>
+      <p:sp>
+        <p:nvSpPr>
+          <p:cNvPr id="4" name="Espace réservé de la date 4"/>
+          <p:cNvSpPr>
+            <a:spLocks noGrp="1" noChangeArrowheads="1"/>
+            <a:extLst>
+              <a:ext uri="smNativeData">
+                <pr:smNativeData xmlns:pr="smNativeData" xmlns:p14="http://schemas.microsoft.com/office/powerpoint/2010/main" xmlns="" val="SMDATA_13_ec9PYBMAAAAlAAAAZAAAAA0AAAAAAAAAAAAAAAAAAAAAAAAAAAAAAAAAAAAAAAAAAAEAAABQAAAAAAAAAAAA4D8AAAAAAADgPwAAAAAAAOA/AAAAAAAA4D8AAAAAAADgPwAAAAAAAOA/AAAAAAAA4D8AAAAAAADgPwAAAAAAAOA/AAAAAAAA4D8CAAAAjAAAAAAAAAAAAAAAT4G9DP///wgAAAAAAAAAAAAAAAAAAAAAAAAAAAAAAAAAAAAAZAAAAAEAAABAAAAAAAAAAAAAAAAAAAAAAAAAAAAAAAAAAAAAAAAAAAAAAAAAAAAAAAAAAAAAAAAAAAAAAAAAAAAAAAAAAAAAAAAAAAAAAAAAAAAAAAAAAAAAAAAAAAAAFAAAADwAAAAAAAAAAAAAAAAAAAkUAAAAAQAAABQAAAAUAAAAFAAAAAEAAAAAAAAAZAAAAGQAAAAAAAAAZAAAAGQAAAAVAAAAYAAAAAAAAAAAAAAADwAAACADAAAAAAAAAAAAAAEAAACgMgAAVgcAAKr4//8BAAAAf39/AAEAAABkAAAAAAAAABQAAABAHwAAAAAAACYAAAAAAAAAwOD//wAAAAAmAAAAZAAAABYAAABMAAAAAAAAAAAAAAAEAAAAAAAAAAEAAADu7OEKAAAAACgAAAAoAAAAZAAAAGQAAAAAAAAAzMzMAAAAAABQAAAAUAAAAGQAAABkAAAAAAAAABcAAAAUAAAAAAAAAAAAAAD/fwAA/38AAAAAAAAJAAAABAAAAAAAAAAMAAAAEAAAAAAAAAAAAAAAAAAAAAAAAAAeAAAAaAAAAAAAAAAAAAAAAAAAAAAAAAAAAAAAECcAABAnAAAAAAAAAAAAAAAAAAAAAAAAAAAAAAAAAAAAAAAAAAAAABQAAAAAAAAAwMD/AAAAAABkAAAAMgAAAAAAAABkAAAAAAAAAH9/fwAKAAAAHwAAAFQAAABPgb0F////AQAAAAAAAAAAAAAAAAAAAAAAAAAAAAAAAAAAAAAAAAAAAAAAAn9/fwDu7OEDzMzMAMDA/wB/f38AAAAAAAAAAAAAAAAAAAAAAAAAAAAhAAAAGAAAABQAAADqAQAA4DgAAPAKAACYOgAAEAAAACYAAAAIAAAAAQAAAAAAAAA="/>
+              </a:ext>
+            </a:extLst>
+          </p:cNvSpPr>
+          <p:nvPr>
+            <p:ph type="dt" sz="half" idx="2"/>
+          </p:nvPr>
+        </p:nvSpPr>
+        <p:spPr>
+          <a:xfrm>
+            <a:off x="311150" y="9245600"/>
+            <a:ext cx="1466850" cy="279400"/>
+          </a:xfrm>
+        </p:spPr>
+        <p:txBody>
+          <a:bodyPr/>
+          <a:lstStyle/>
+          <a:p>
+            <a:pPr>
+              <a:defRPr lang="de-de"/>
+            </a:pPr>
+            <a:r>
+              <a:t>26.03.2021</a:t>
+            </a:r>
+          </a:p>
+        </p:txBody>
+      </p:sp>
+      <p:sp>
+        <p:nvSpPr>
+          <p:cNvPr id="5" name="Espace réservé du numéro de diapositive 5"/>
+          <p:cNvSpPr>
+            <a:spLocks noGrp="1" noChangeArrowheads="1"/>
+            <a:extLst>
+              <a:ext uri="smNativeData">
+                <pr:smNativeData xmlns:pr="smNativeData" xmlns:p14="http://schemas.microsoft.com/office/powerpoint/2010/main" xmlns="" val="SMDATA_13_ec9PYBMAAAAlAAAAZAAAAA0AAAAAAAAAAAAAAAAAAAAAAAAAAAAAAAAAAAAAAAAAAAEAAABQAAAAAAAAAAAA4D8AAAAAAADgPwAAAAAAAOA/AAAAAAAA4D8AAAAAAADgPwAAAAAAAOA/AAAAAAAA4D8AAAAAAADgPwAAAAAAAOA/AAAAAAAA4D8CAAAAjAAAAAAAAAAAAAAAT4G9DP///wgAAAAAAAAAAAAAAAAAAAAAAAAAAAAAAAAAAAAAZAAAAAEAAABAAAAAAAAAAAAAAAAAAAAAAAAAAAAAAAAAAAAAAAAAAAAAAAAAAAAAAAAAAAAAAAAAAAAAAAAAAAAAAAAAAAAAAAAAAAAAAAAAAAAAAAAAAAAAAAAAAAAAFAAAADwAAAAAAAAAAAAAAAAAAAkUAAAAAQAAABQAAAAUAAAAFAAAAAEAAAAAAAAAZAAAAGQAAAAAAAAAZAAAAGQAAAAVAAAAYAAAAAAAAAAAAAAADwAAACADAAAAAAAAAAAAAAEAAACgMgAAVgcAAKr4//8BAAAAf39/AAEAAABkAAAAAAAAABQAAABAHwAAAAAAACYAAAAAAAAAwOD//wAAAAAmAAAAZAAAABYAAABMAAAAAAAAAAAAAAAEAAAAAAAAAAEAAADu7OEKAAAAACgAAAAoAAAAZAAAAGQAAAAAAAAAzMzMAAAAAABQAAAAUAAAAGQAAABkAAAAAAAAABcAAAAUAAAAAAAAAAAAAAD/fwAA/38AAAAAAAAJAAAABAAAAAAAAAAMAAAAEAAAAAAAAAAAAAAAAAAAAAAAAAAeAAAAaAAAAAAAAAAAAAAAAAAAAAAAAAAAAAAAECcAABAnAAAAAAAAAAAAAAAAAAAAAAAAAAAAAAAAAAAAAAAAAAAAABQAAAAAAAAAwMD/AAAAAABkAAAAMgAAAAAAAABkAAAAAAAAAH9/fwAKAAAAHwAAAFQAAABPgb0F////AQAAAAAAAAAAAAAAAAAAAAAAAAAAAAAAAAAAAAAAAAAAAAAAAn9/fwDu7OEDzMzMAMDA/wB/f38AAAAAAAAAAAAAAAAAAAAAAAAAAAAhAAAAGAAAABQAAADQSAAAGDkAABZOAACYOgAAEAAAACYAAAAIAAAAAAAAAAAAAAA="/>
+              </a:ext>
+            </a:extLst>
+          </p:cNvSpPr>
+          <p:nvPr>
+            <p:ph type="sldNum" sz="quarter" idx="4"/>
+          </p:nvPr>
+        </p:nvSpPr>
+        <p:spPr/>
+        <p:txBody>
+          <a:bodyPr/>
+          <a:lstStyle/>
+          <a:p>
+            <a:pPr>
+              <a:defRPr lang="de-de"/>
+            </a:pPr>
+            <a:fld id="{65E18926-6888-B47F-C659-9E2AC71730CB}" type="slidenum">
+              <a:t>18</a:t>
+            </a:fld>
+            <a:endParaRPr/>
+          </a:p>
+        </p:txBody>
+      </p:sp>
+    </p:spTree>
+  </p:cSld>
+  <p:clrMapOvr>
+    <a:masterClrMapping/>
+  </p:clrMapOvr>
+</p:sld>
+</file>
+
+<file path=ppt/slides/slide2.xml><?xml version="1.0" encoding="utf-8"?>
+<p:sld xmlns:a="http://schemas.openxmlformats.org/drawingml/2006/main" xmlns:r="http://schemas.openxmlformats.org/officeDocument/2006/relationships" xmlns:p="http://schemas.openxmlformats.org/presentationml/2006/main">
+  <p:cSld>
+    <p:spTree>
+      <p:nvGrpSpPr>
+        <p:cNvPr id="1" name=""/>
+        <p:cNvGrpSpPr/>
+        <p:nvPr/>
+      </p:nvGrpSpPr>
+      <p:grpSpPr>
+        <a:xfrm>
+          <a:off x="0" y="0"/>
+          <a:ext cx="0" cy="0"/>
+          <a:chOff x="0" y="0"/>
+          <a:chExt cx="0" cy="0"/>
+        </a:xfrm>
+      </p:grpSpPr>
+      <p:sp>
+        <p:nvSpPr>
+          <p:cNvPr id="2" name="object 62"/>
+          <p:cNvSpPr>
+            <a:spLocks noGrp="1" noChangeArrowheads="1"/>
+            <a:extLst>
+              <a:ext uri="smNativeData">
+                <pr:smNativeData xmlns:pr="smNativeData" xmlns:p14="http://schemas.microsoft.com/office/powerpoint/2010/main" xmlns="" val="SMDATA_13_ec9PYBMAAAAlAAAAZAAAAE0AAAAAAAAAAAAAAAAAAAAAAAAAAAAAAAAAAAAAAAAAAAEAAABQAAAAAAAAAAAA4D8AAAAAAADgPwAAAAAAAOA/AAAAAAAA4D8AAAAAAADgPwAAAAAAAOA/AAAAAAAA4D8AAAAAAADgPwAAAAAAAOA/AAAAAAAA4D8CAAAAjAAAAAAAAAAAAAAAT4G9DP///wgAAAAAAAAAAAAAAAAAAAAAAAAAAAAAAAAAAAAAZAAAAAEAAABAAAAAAAAAAAAAAAAAAAAAAAAAAAAAAAAAAAAAAAAAAAAAAAAAAAAAAAAAAAAAAAAAAAAAAAAAAAAAAAAAAAAAAAAAAAAAAAAAAAAAAAAAAAAAAAAAAAAAFAAAADwAAAAAAAAAAAAAAAAAAAkUAAAAAQAAABQAAAAUAAAAFAAAAAEAAAAAAAAAZAAAAGQAAAAAAAAAZAAAAGQAAAAVAAAAYAAAAAAAAAAAAAAADwAAACADAAAAAAAAAAAAAAEAAACgMgAAVgcAAKr4//8BAAAAf39/AAEAAABkAAAAAAAAABQAAABAHwAAAAAAACYAAAAAAAAAwOD//wAAAAAmAAAAZAAAABYAAABMAAAAAAAAAAAAAAAEAAAAAAAAAAEAAADu7OEKAAAAACgAAAAoAAAAZAAAAGQAAAAAAAAAzMzMAAAAAABQAAAAUAAAAGQAAABkAAAAAAAAABcAAAAUAAAAAAAAAAAAAAD/fwAA/38AAAAAAAAJAAAABAAAAIMAAAAMAAAAEAAAAAAAAAAAAAAAAAAAAAAAAAAeAAAAaAAAAAAAAAAAAAAAAAAAAAAAAAAAAAAAECcAABAnAAAAAAAAAAAAAAAAAAAAAAAAAAAAAAAAAAAAAAAAAAAAABQAAAAAAAAAwMD/AAAAAABkAAAAMgAAAAAAAABkAAAAAAAAAH9/fwAKAAAAHwAAAFQAAABPgb0F////AQAAAAAAAAAAAAAAAAAAAAAAAAAAAAAAAAAAAAAAAAAAAAAAAn9/fwDu7OEDzMzMAMDA/wB/f38AAAAAAAAAAAAAAAAAAAAAAAAAAAAhAAAAGAAAABQAAADIBQAAiQsAAHpIAACzDwAAECAAACYAAAAIAAAAAAAAAAAAAAA="/>
+              </a:ext>
+            </a:extLst>
+          </p:cNvSpPr>
+          <p:nvPr>
+            <p:ph type="title"/>
+          </p:nvPr>
+        </p:nvSpPr>
+        <p:spPr/>
+        <p:txBody>
+          <a:bodyPr/>
+          <a:lstStyle/>
+          <a:p>
+            <a:pPr>
+              <a:defRPr lang="de-de"/>
+            </a:pPr>
+            <a:r>
+              <a:t>Summary</a:t>
+            </a:r>
+          </a:p>
+        </p:txBody>
+      </p:sp>
+      <p:sp>
+        <p:nvSpPr>
+          <p:cNvPr id="3" name="object 61"/>
+          <p:cNvSpPr>
+            <a:spLocks noGrp="1" noChangeArrowheads="1"/>
+            <a:extLst>
+              <a:ext uri="smNativeData">
+                <pr:smNativeData xmlns:pr="smNativeData" xmlns:p14="http://schemas.microsoft.com/office/powerpoint/2010/main" xmlns="" val="SMDATA_13_ec9PYBMAAAAlAAAAZAAAAE0AAAAAAAAAAAAAAAAAAAAAAAAAAAAAAAAAAAAAAAAAAAEAAABQAAAAAAAAAAAA4D8AAAAAAADgPwAAAAAAAOA/AAAAAAAA4D8AAAAAAADgPwAAAAAAAOA/AAAAAAAA4D8AAAAAAADgPwAAAAAAAOA/AAAAAAAA4D8CAAAAjAAAAAAAAAAAAAAAT4G9DP///wgAAAAAAAAAAAAAAAAAAAAAAAAAAAAAAAAAAAAAZAAAAAEAAABAAAAAAAAAAAAAAAAAAAAAAAAAAAAAAAAAAAAAAAAAAAAAAAAAAAAAAAAAAAAAAAAAAAAAAAAAAAAAAAAAAAAAAAAAAAAAAAAAAAAAAAAAAAAAAAAAAAAAFAAAADwAAAAAAAAAAAAAAAAAAAkUAAAAAQAAABQAAAAUAAAAFAAAAAEAAAAAAAAAZAAAAGQAAAAAAAAAZAAAAGQAAAAVAAAAYAAAAAAAAAAAAAAADwAAACADAAAAAAAAAAAAAAEAAACgMgAAVgcAAKr4//8BAAAAf39/AAEAAABkAAAAAAAAABQAAABAHwAAAAAAACYAAAAAAAAAwOD//wAAAAAmAAAAZAAAABYAAABMAAAAAAAAAAAAAAAEAAAAAAAAAAEAAADu7OEKAAAAACgAAAAoAAAAZAAAAGQAAAAAAAAAzMzMAAAAAABQAAAAUAAAAGQAAABkAAAAAAAAABcAAAAUAAAAAAAAAAAAAAD/fwAA/38AAAAAAAAJAAAABAAAAOwEAAAMAAAAEAAAAAAAAAAAAAAAAAAAAAAAAAAeAAAAaAAAAAAAAAAAAAAAAAAAAAAAAAAAAAAAECcAABAnAAAAAAAAAAAAAAAAAAAAAAAAAAAAAAAAAAAAAAAAAAAAABQAAAAAAAAAwMD/AAAAAABkAAAAMgAAAAAAAABkAAAAAAAAAH9/fwAKAAAAHwAAAFQAAABPgb0F////AQAAAAAAAAAAAAAAAAAAAAAAAAAAAAAAAAAAAAAAAAAAAAAAAn9/fwDu7OEDzMzMAMDA/wB/f38AAAAAAAAAAAAAAAAAAAAAAAAAAAAhAAAAGAAAABQAAADIBQAAwBIAAHpIAAAwLQAAACAAACYAAAAIAAAAAYAAAAAAAAA="/>
+              </a:ext>
+            </a:extLst>
+          </p:cNvSpPr>
+          <p:nvPr>
+            <p:ph type="body" idx="1"/>
+          </p:nvPr>
+        </p:nvSpPr>
+        <p:spPr>
+          <a:xfrm>
+            <a:off x="939800" y="3048000"/>
+            <a:ext cx="10841990" cy="4297680"/>
+          </a:xfrm>
+        </p:spPr>
+        <p:txBody>
+          <a:bodyPr/>
+          <a:lstStyle>
+            <a:lvl1pPr marL="0" indent="360680" defTabSz="360045">
+              <a:lnSpc>
+                <a:spcPct val="150000"/>
+              </a:lnSpc>
+              <a:spcAft>
+                <a:spcPts val="600"/>
+              </a:spcAft>
+              <a:buClr>
+                <a:schemeClr val="accent1"/>
+              </a:buClr>
+              <a:buSzPts val="2910"/>
+              <a:buFont typeface="Wingdings" charset="0"/>
+              <a:buChar char="§"/>
+              <a:tabLst/>
+              <a:defRPr lang="de-de" sz="2800" b="0" i="0" baseline="0">
+                <a:solidFill>
+                  <a:srgbClr val="595959"/>
+                </a:solidFill>
+                <a:latin typeface="Calibri" pitchFamily="2" charset="0"/>
+                <a:ea typeface="Calibri" pitchFamily="2" charset="0"/>
+                <a:cs typeface="Calibri" pitchFamily="2" charset="0"/>
+              </a:defRPr>
+            </a:lvl1pPr>
+            <a:lvl2pPr marL="742950" indent="-285750">
+              <a:lnSpc>
+                <a:spcPct val="150000"/>
+              </a:lnSpc>
+              <a:buFont typeface="Arial" pitchFamily="2" charset="0"/>
+              <a:buChar char="•"/>
+              <a:defRPr lang="de-de" sz="2400" b="0" i="0" baseline="0">
+                <a:solidFill>
+                  <a:srgbClr val="595959"/>
+                </a:solidFill>
+                <a:latin typeface="Calibri" pitchFamily="2" charset="0"/>
+                <a:ea typeface="Calibri" pitchFamily="2" charset="0"/>
+                <a:cs typeface="Calibri" pitchFamily="2" charset="0"/>
+              </a:defRPr>
+            </a:lvl2pPr>
+            <a:lvl3pPr marL="1200150" indent="-285750">
+              <a:lnSpc>
+                <a:spcPct val="150000"/>
+              </a:lnSpc>
+              <a:buFont typeface="Wingdings" charset="0"/>
+              <a:buChar char="§"/>
+              <a:defRPr lang="de-de" sz="2000" b="0" i="0" baseline="0">
+                <a:solidFill>
+                  <a:srgbClr val="595959"/>
+                </a:solidFill>
+                <a:latin typeface="Calibri" pitchFamily="2" charset="0"/>
+                <a:ea typeface="Calibri" pitchFamily="2" charset="0"/>
+                <a:cs typeface="Calibri" pitchFamily="2" charset="0"/>
+              </a:defRPr>
+            </a:lvl3pPr>
+            <a:lvl4pPr>
+              <a:defRPr lang="de-de"/>
+            </a:lvl4pPr>
+            <a:lvl5pPr>
+              <a:defRPr lang="de-de"/>
+            </a:lvl5pPr>
+            <a:lvl6pPr>
+              <a:defRPr lang="de-de"/>
+            </a:lvl6pPr>
+            <a:lvl7pPr>
+              <a:defRPr lang="de-de"/>
+            </a:lvl7pPr>
+            <a:lvl8pPr>
+              <a:defRPr lang="de-de"/>
+            </a:lvl8pPr>
+            <a:lvl9pPr>
+              <a:defRPr lang="de-de"/>
+            </a:lvl9pPr>
+          </a:lstStyle>
+          <a:p>
+            <a:pPr defTabSz="360045">
+              <a:tabLst/>
+              <a:defRPr lang="de-de"/>
+            </a:pPr>
+            <a:r>
+              <a:rPr lang="en-us"/>
+              <a:t>Introduction</a:t>
+            </a:r>
+          </a:p>
+          <a:p>
+            <a:pPr defTabSz="360045">
+              <a:tabLst/>
+              <a:defRPr lang="en-us"/>
+            </a:pPr>
+            <a:r>
+              <a:t>Foundations</a:t>
+            </a:r>
+          </a:p>
+          <a:p>
+            <a:pPr defTabSz="360045">
+              <a:tabLst/>
+              <a:defRPr lang="en-us"/>
+            </a:pPr>
+            <a:r>
+              <a:t>Related Work</a:t>
+            </a:r>
+          </a:p>
+          <a:p>
+            <a:pPr defTabSz="360045">
+              <a:tabLst/>
+              <a:defRPr lang="en-us"/>
+            </a:pPr>
+            <a:r>
+              <a:t>Approach</a:t>
+            </a:r>
+          </a:p>
+          <a:p>
+            <a:pPr defTabSz="360045">
+              <a:tabLst/>
+              <a:defRPr lang="en-us"/>
+            </a:pPr>
+            <a:r>
+              <a:t>Discussion</a:t>
+            </a:r>
+          </a:p>
+          <a:p>
+            <a:pPr defTabSz="360045">
+              <a:tabLst/>
+              <a:defRPr lang="de-de"/>
+            </a:pPr>
+            <a:r>
+              <a:rPr lang="en-us"/>
+              <a:t>Conclusion</a:t>
+            </a:r>
+          </a:p>
+        </p:txBody>
+      </p:sp>
+      <p:sp>
+        <p:nvSpPr>
+          <p:cNvPr id="4" name="Datumsplatzhalter 111"/>
+          <p:cNvSpPr>
+            <a:spLocks noGrp="1" noChangeArrowheads="1"/>
+            <a:extLst>
+              <a:ext uri="smNativeData">
+                <pr:smNativeData xmlns:pr="smNativeData" xmlns:p14="http://schemas.microsoft.com/office/powerpoint/2010/main" xmlns="" val="SMDATA_13_ec9PYBMAAAAlAAAAZAAAAA0AAAAAAAAAAAAAAAAAAAAAAAAAAAAAAAAAAAAAAAAAAAEAAABQAAAAAAAAAAAA4D8AAAAAAADgPwAAAAAAAOA/AAAAAAAA4D8AAAAAAADgPwAAAAAAAOA/AAAAAAAA4D8AAAAAAADgPwAAAAAAAOA/AAAAAAAA4D8CAAAAjAAAAAAAAAAAAAAAT4G9DP///wgAAAAAAAAAAAAAAAAAAAAAAAAAAAAAAAAAAAAAZAAAAAEAAABAAAAAAAAAAAAAAAAAAAAAAAAAAAAAAAAAAAAAAAAAAAAAAAAAAAAAAAAAAAAAAAAAAAAAAAAAAAAAAAAAAAAAAAAAAAAAAAAAAAAAAAAAAAAAAAAAAAAAFAAAADwAAAAAAAAAAAAAAAAAAAkUAAAAAQAAABQAAAAUAAAAFAAAAAEAAAAAAAAAZAAAAGQAAAAAAAAAZAAAAGQAAAAVAAAAYAAAAAAAAAAAAAAADwAAACADAAAAAAAAAAAAAAEAAACgMgAAVgcAAKr4//8BAAAAf39/AAEAAABkAAAAAAAAABQAAABAHwAAAAAAACYAAAAAAAAAwOD//wAAAAAmAAAAZAAAABYAAABMAAAAAAAAAAAAAAAEAAAAAAAAAAEAAADu7OEKAAAAACgAAAAoAAAAZAAAAGQAAAAAAAAAzMzMAAAAAABQAAAAUAAAAGQAAABkAAAAAAAAABcAAAAUAAAAAAAAAAAAAAD/fwAA/38AAAAAAAAJAAAABAAAAIwXAAAMAAAAEAAAAAAAAAAAAAAAAAAAAAAAAAAeAAAAaAAAAAAAAAAAAAAAAAAAAAAAAAAAAAAAECcAABAnAAAAAAAAAAAAAAAAAAAAAAAAAAAAAAAAAAAAAAAAAAAAABQAAAAAAAAAwMD/AAAAAABkAAAAMgAAAAAAAABkAAAAAAAAAH9/fwAKAAAAHwAAAFQAAABPgb0F////AQAAAAAAAAAAAAAAAAAAAAAAAAAAAAAAAAAAAAAAAAAAAAAAAn9/fwDu7OEDzMzMAMDA/wB/f38AAAAAAAAAAAAAAAAAAAAAAAAAAAAhAAAAGAAAABQAAADqAQAA4DgAAPAKAACYOgAAEAAAACYAAAAIAAAAAQAAAAAAAAA="/>
+              </a:ext>
+            </a:extLst>
+          </p:cNvSpPr>
+          <p:nvPr>
+            <p:ph type="dt" sz="half" idx="2"/>
+          </p:nvPr>
+        </p:nvSpPr>
+        <p:spPr>
+          <a:xfrm>
+            <a:off x="311150" y="9245600"/>
+            <a:ext cx="1466850" cy="279400"/>
+          </a:xfrm>
+        </p:spPr>
+        <p:txBody>
+          <a:bodyPr/>
+          <a:lstStyle/>
+          <a:p>
+            <a:pPr>
+              <a:defRPr lang="de-de"/>
+            </a:pPr>
+            <a:r>
+              <a:t>26.03.2021</a:t>
+            </a:r>
+          </a:p>
+        </p:txBody>
+      </p:sp>
+      <p:sp>
+        <p:nvSpPr>
+          <p:cNvPr id="5" name="Foliennummernplatzhalter 112"/>
+          <p:cNvSpPr>
+            <a:spLocks noGrp="1" noChangeArrowheads="1"/>
+            <a:extLst>
+              <a:ext uri="smNativeData">
+                <pr:smNativeData xmlns:pr="smNativeData" xmlns:p14="http://schemas.microsoft.com/office/powerpoint/2010/main" xmlns="" val="SMDATA_13_ec9PYBMAAAAlAAAAZAAAAA0AAAAAAAAAAAAAAAAAAAAAAAAAAAAAAAAAAAAAAAAAAAEAAABQAAAAAAAAAAAA4D8AAAAAAADgPwAAAAAAAOA/AAAAAAAA4D8AAAAAAADgPwAAAAAAAOA/AAAAAAAA4D8AAAAAAADgPwAAAAAAAOA/AAAAAAAA4D8CAAAAjAAAAAAAAAAAAAAAT4G9DP///wgAAAAAAAAAAAAAAAAAAAAAAAAAAAAAAAAAAAAAZAAAAAEAAABAAAAAAAAAAAAAAAAAAAAAAAAAAAAAAAAAAAAAAAAAAAAAAAAAAAAAAAAAAAAAAAAAAAAAAAAAAAAAAAAAAAAAAAAAAAAAAAAAAAAAAAAAAAAAAAAAAAAAFAAAADwAAAAAAAAAAAAAAAAAAAkUAAAAAQAAABQAAAAUAAAAFAAAAAEAAAAAAAAAZAAAAGQAAAAAAAAAZAAAAGQAAAAVAAAAYAAAAAAAAAAAAAAADwAAACADAAAAAAAAAAAAAAEAAACgMgAAVgcAAKr4//8BAAAAf39/AAEAAABkAAAAAAAAABQAAABAHwAAAAAAACYAAAAAAAAAwOD//wAAAAAmAAAAZAAAABYAAABMAAAAAAAAAAAAAAAEAAAAAAAAAAEAAADu7OEKAAAAACgAAAAoAAAAZAAAAGQAAAAAAAAAzMzMAAAAAABQAAAAUAAAAGQAAABkAAAAAAAAABcAAAAUAAAAAAAAAAAAAAD/fwAA/38AAAAAAAAJAAAABAAAAGYSAAAMAAAAEAAAAAAAAAAAAAAAAAAAAAAAAAAeAAAAaAAAAAAAAAAAAAAAAAAAAAAAAAAAAAAAECcAABAnAAAAAAAAAAAAAAAAAAAAAAAAAAAAAAAAAAAAAAAAAAAAABQAAAAAAAAAwMD/AAAAAABkAAAAMgAAAAAAAABkAAAAAAAAAH9/fwAKAAAAHwAAAFQAAABPgb0F////AQAAAAAAAAAAAAAAAAAAAAAAAAAAAAAAAAAAAAAAAAAAAAAAAn9/fwDu7OEDzMzMAMDA/wB/f38AAAAAAAAAAAAAAAAAAAAAAAAAAAAhAAAAGAAAABQAAADQSAAAGDkAABZOAACYOgAAEAAAACYAAAAIAAAAAAAAAAAAAAA="/>
+              </a:ext>
+            </a:extLst>
+          </p:cNvSpPr>
+          <p:nvPr>
+            <p:ph type="sldNum" sz="quarter" idx="4"/>
+          </p:nvPr>
+        </p:nvSpPr>
+        <p:spPr/>
+        <p:txBody>
+          <a:bodyPr/>
+          <a:lstStyle/>
+          <a:p>
+            <a:pPr>
+              <a:defRPr lang="de-de"/>
+            </a:pPr>
+            <a:fld id="{5F3F4291-DFB2-6AB4-FC87-29E10CC90A7C}" type="slidenum">
+              <a:t>2</a:t>
+            </a:fld>
+            <a:endParaRPr/>
+          </a:p>
+        </p:txBody>
+      </p:sp>
+    </p:spTree>
+  </p:cSld>
+  <p:clrMapOvr>
+    <a:masterClrMapping/>
+  </p:clrMapOvr>
+  <mc:AlternateContent xmlns:mc="http://schemas.openxmlformats.org/markup-compatibility/2006">
+    <mc:Choice xmlns:p14="http://schemas.microsoft.com/office/powerpoint/2010/main" Requires="p14">
+      <p:transition spd="slow" p14:dur="800">
+        <p:fade/>
+        <p:extLst>
+          <p:ext uri="smNativeData">
+            <pr:smNativeData xmlns:pr="smNativeData" xmlns="" val="ec9PYAAAAAAgAwAAAAAAAAYAAAAAAAAAAAAAAAAAAAAAAAAAAQAAAAAAAAAAAAAAAAAAAAAAAAAAAAAA"/>
+          </p:ext>
+        </p:extLst>
+      </p:transition>
+    </mc:Choice>
+    <mc:Fallback>
+      <p:transition spd="slow">
+        <p:fade/>
+        <p:extLst>
+          <p:ext uri="smNativeData">
+            <pr:smNativeData xmlns:pr="smNativeData" xmlns:p14="http://schemas.microsoft.com/office/powerpoint/2010/main" xmlns="" val="ec9PYAAAAAAgAwAAAAAAAAYAAAAAAAAAAAAAAAAAAAAAAAAAAQAAAAAAAAAAAAAAAAAAAAAAAAAAAAAA"/>
+          </p:ext>
+        </p:extLst>
+      </p:transition>
+    </mc:Fallback>
+  </mc:AlternateContent>
+</p:sld>
+</file>
+
+<file path=ppt/slides/slide3.xml><?xml version="1.0" encoding="utf-8"?>
+<p:sld xmlns:a="http://schemas.openxmlformats.org/drawingml/2006/main" xmlns:r="http://schemas.openxmlformats.org/officeDocument/2006/relationships" xmlns:p="http://schemas.openxmlformats.org/presentationml/2006/main">
+  <p:cSld>
+    <p:spTree>
+      <p:nvGrpSpPr>
+        <p:cNvPr id="1" name=""/>
+        <p:cNvGrpSpPr/>
+        <p:nvPr/>
+      </p:nvGrpSpPr>
+      <p:grpSpPr>
+        <a:xfrm>
+          <a:off x="0" y="0"/>
+          <a:ext cx="0" cy="0"/>
+          <a:chOff x="0" y="0"/>
+          <a:chExt cx="0" cy="0"/>
+        </a:xfrm>
+      </p:grpSpPr>
+      <p:sp>
+        <p:nvSpPr>
+          <p:cNvPr id="2" name="Title 1">
+            <a:extLst>
+              <a:ext uri="{FF2B5EF4-FFF2-40B4-BE49-F238E27FC236}">
+                <a16:creationId xmlns:a16="http://schemas.microsoft.com/office/drawing/2014/main" id="{1803AF3C-F92B-491E-A479-BF9B75ECDE0F}"/>
+              </a:ext>
+            </a:extLst>
+          </p:cNvPr>
+          <p:cNvSpPr>
+            <a:spLocks noGrp="1"/>
+          </p:cNvSpPr>
+          <p:nvPr>
+            <p:ph type="title"/>
+          </p:nvPr>
+        </p:nvSpPr>
+        <p:spPr/>
+        <p:txBody>
+          <a:bodyPr/>
+          <a:lstStyle/>
+          <a:p>
+            <a:r>
+              <a:rPr lang="en-US" dirty="0"/>
+              <a:t>Introduction</a:t>
+            </a:r>
+            <a:endParaRPr lang="en-GB" dirty="0"/>
+          </a:p>
+        </p:txBody>
+      </p:sp>
+      <p:sp>
+        <p:nvSpPr>
+          <p:cNvPr id="3" name="Content Placeholder 2">
+            <a:extLst>
+              <a:ext uri="{FF2B5EF4-FFF2-40B4-BE49-F238E27FC236}">
+                <a16:creationId xmlns:a16="http://schemas.microsoft.com/office/drawing/2014/main" id="{5DAEC3AD-82B2-4E1D-96E9-658DA2B4D064}"/>
+              </a:ext>
+            </a:extLst>
+          </p:cNvPr>
+          <p:cNvSpPr>
+            <a:spLocks noGrp="1"/>
+          </p:cNvSpPr>
+          <p:nvPr>
+            <p:ph idx="1"/>
+          </p:nvPr>
+        </p:nvSpPr>
+        <p:spPr/>
+        <p:txBody>
+          <a:bodyPr/>
+          <a:lstStyle/>
+          <a:p>
+            <a:r>
+              <a:rPr lang="en-US" dirty="0"/>
+              <a:t>Privacy-paradox</a:t>
+            </a:r>
+          </a:p>
+          <a:p>
+            <a:r>
+              <a:rPr lang="en-US" dirty="0"/>
+              <a:t>Main goal of our work</a:t>
+            </a:r>
+          </a:p>
+          <a:p>
+            <a:r>
+              <a:rPr lang="en-US" dirty="0"/>
+              <a:t>Questions to be answered</a:t>
+            </a:r>
+          </a:p>
+          <a:p>
+            <a:r>
+              <a:rPr lang="en-US" dirty="0"/>
+              <a:t>Our solution – briefly:</a:t>
+            </a:r>
+          </a:p>
+          <a:p>
+            <a:pPr lvl="1"/>
+            <a:r>
+              <a:rPr lang="en-US" dirty="0"/>
+              <a:t>Feedback types</a:t>
+            </a:r>
+          </a:p>
+          <a:p>
+            <a:pPr lvl="2"/>
+            <a:r>
+              <a:rPr lang="en-US" dirty="0"/>
+              <a:t>Ring</a:t>
+            </a:r>
+          </a:p>
+          <a:p>
+            <a:pPr lvl="2"/>
+            <a:r>
+              <a:rPr lang="en-US" dirty="0"/>
+              <a:t>Icon</a:t>
+            </a:r>
+          </a:p>
+          <a:p>
+            <a:pPr lvl="2"/>
+            <a:r>
+              <a:rPr lang="en-US" dirty="0"/>
+              <a:t>Notification</a:t>
+            </a:r>
+            <a:endParaRPr lang="en-GB" dirty="0"/>
+          </a:p>
+        </p:txBody>
+      </p:sp>
+      <p:sp>
+        <p:nvSpPr>
+          <p:cNvPr id="4" name="Date Placeholder 3">
+            <a:extLst>
+              <a:ext uri="{FF2B5EF4-FFF2-40B4-BE49-F238E27FC236}">
+                <a16:creationId xmlns:a16="http://schemas.microsoft.com/office/drawing/2014/main" id="{4D71D8FE-41D9-4C13-8883-B0C789080BC9}"/>
+              </a:ext>
+            </a:extLst>
+          </p:cNvPr>
+          <p:cNvSpPr>
+            <a:spLocks noGrp="1"/>
+          </p:cNvSpPr>
+          <p:nvPr>
+            <p:ph type="dt" sz="half" idx="2"/>
+          </p:nvPr>
+        </p:nvSpPr>
+        <p:spPr/>
+        <p:txBody>
+          <a:bodyPr/>
+          <a:lstStyle/>
+          <a:p>
+            <a:pPr>
+              <a:defRPr lang="de-de"/>
+            </a:pPr>
+            <a:r>
+              <a:rPr lang="en-us"/>
+              <a:t>25.03.2021</a:t>
+            </a:r>
+          </a:p>
+        </p:txBody>
+      </p:sp>
+      <p:sp>
+        <p:nvSpPr>
+          <p:cNvPr id="5" name="Slide Number Placeholder 4">
+            <a:extLst>
+              <a:ext uri="{FF2B5EF4-FFF2-40B4-BE49-F238E27FC236}">
+                <a16:creationId xmlns:a16="http://schemas.microsoft.com/office/drawing/2014/main" id="{8DC7A667-AEA9-48B1-BADD-210B0AAA3836}"/>
+              </a:ext>
+            </a:extLst>
+          </p:cNvPr>
+          <p:cNvSpPr>
+            <a:spLocks noGrp="1"/>
+          </p:cNvSpPr>
+          <p:nvPr>
+            <p:ph type="sldNum" sz="quarter" idx="4"/>
+          </p:nvPr>
+        </p:nvSpPr>
+        <p:spPr/>
+        <p:txBody>
+          <a:bodyPr/>
+          <a:lstStyle/>
+          <a:p>
+            <a:pPr>
+              <a:defRPr lang="de-de"/>
+            </a:pPr>
+            <a:fld id="{21A75586-C8CC-F2A3-821F-3EF61B51746B}" type="slidenum">
+              <a:rPr lang="en-GB" smtClean="0"/>
+              <a:t>3</a:t>
+            </a:fld>
+            <a:endParaRPr lang="en-GB"/>
+          </a:p>
+        </p:txBody>
+      </p:sp>
+      <p:sp>
+        <p:nvSpPr>
+          <p:cNvPr id="6" name="Content Placeholder 5">
+            <a:extLst>
+              <a:ext uri="{FF2B5EF4-FFF2-40B4-BE49-F238E27FC236}">
+                <a16:creationId xmlns:a16="http://schemas.microsoft.com/office/drawing/2014/main" id="{050B2A63-C707-4E57-9611-9FDE36F21725}"/>
+              </a:ext>
+            </a:extLst>
+          </p:cNvPr>
+          <p:cNvSpPr>
+            <a:spLocks noGrp="1"/>
+          </p:cNvSpPr>
+          <p:nvPr>
+            <p:ph idx="10"/>
+          </p:nvPr>
+        </p:nvSpPr>
+        <p:spPr/>
+        <p:txBody>
+          <a:bodyPr/>
+          <a:lstStyle/>
+          <a:p>
+            <a:endParaRPr lang="en-GB"/>
+          </a:p>
+        </p:txBody>
+      </p:sp>
+    </p:spTree>
+    <p:extLst>
+      <p:ext uri="{BB962C8B-B14F-4D97-AF65-F5344CB8AC3E}">
+        <p14:creationId xmlns:p14="http://schemas.microsoft.com/office/powerpoint/2010/main" val="1161292430"/>
+      </p:ext>
+    </p:extLst>
+  </p:cSld>
+  <p:clrMapOvr>
+    <a:masterClrMapping/>
+  </p:clrMapOvr>
+</p:sld>
+</file>
+
+<file path=ppt/slides/slide4.xml><?xml version="1.0" encoding="utf-8"?>
+<p:sld xmlns:a="http://schemas.openxmlformats.org/drawingml/2006/main" xmlns:r="http://schemas.openxmlformats.org/officeDocument/2006/relationships" xmlns:p="http://schemas.openxmlformats.org/presentationml/2006/main">
+  <p:cSld>
+    <p:spTree>
+      <p:nvGrpSpPr>
+        <p:cNvPr id="1" name=""/>
+        <p:cNvGrpSpPr/>
+        <p:nvPr/>
+      </p:nvGrpSpPr>
+      <p:grpSpPr>
+        <a:xfrm>
+          <a:off x="0" y="0"/>
+          <a:ext cx="0" cy="0"/>
+          <a:chOff x="0" y="0"/>
+          <a:chExt cx="0" cy="0"/>
+        </a:xfrm>
+      </p:grpSpPr>
+      <p:sp>
+        <p:nvSpPr>
+          <p:cNvPr id="2" name="Titre 1"/>
+          <p:cNvSpPr>
+            <a:spLocks noGrp="1" noChangeArrowheads="1"/>
+            <a:extLst>
+              <a:ext uri="smNativeData">
+                <pr:smNativeData xmlns="" xmlns:p14="http://schemas.microsoft.com/office/powerpoint/2010/main" xmlns:pr="smNativeData" val="SMDATA_13_ec9PYBMAAAAlAAAAZAAAAE0AAAAAAAAAAAAAAAAAAAAAAAAAAAAAAAAAAAAAAAAAAAEAAABQAAAAAAAAAAAA4D8AAAAAAADgPwAAAAAAAOA/AAAAAAAA4D8AAAAAAADgPwAAAAAAAOA/AAAAAAAA4D8AAAAAAADgPwAAAAAAAOA/AAAAAAAA4D8CAAAAjAAAAAAAAAAAAAAAT4G9DP///wgAAAAAAAAAAAAAAAAAAAAAAAAAAAAAAAAAAAAAZAAAAAEAAABAAAAAAAAAAAAAAAAAAAAAAAAAAAAAAAAAAAAAAAAAAAAAAAAAAAAAAAAAAAAAAAAAAAAAAAAAAAAAAAAAAAAAAAAAAAAAAAAAAAAAAAAAAAAAAAAAAAAAFAAAADwAAAAAAAAAAAAAAAAAAAkUAAAAAQAAABQAAAAUAAAAFAAAAAEAAAAAAAAAZAAAAGQAAAAAAAAAZAAAAGQAAAAVAAAAYAAAAAAAAAAAAAAADwAAACADAAAAAAAAAAAAAAEAAACgMgAAVgcAAKr4//8BAAAAf39/AAEAAABkAAAAAAAAABQAAABAHwAAAAAAACYAAAAAAAAAwOD//wAAAAAmAAAAZAAAABYAAABMAAAAAAAAAAAAAAAEAAAAAAAAAAEAAADu7OEKAAAAACgAAAAoAAAAZAAAAGQAAAAAAAAAzMzMAAAAAABQAAAAUAAAAGQAAABkAAAAAAAAABcAAAAUAAAAAAAAAAAAAAD/fwAA/38AAAAAAAAJAAAABAAAAAAAAAAMAAAAEAAAAAAAAAAAAAAAAAAAAAAAAAAeAAAAaAAAAAAAAAAAAAAAAAAAAAAAAAAAAAAAECcAABAnAAAAAAAAAAAAAAAAAAAAAAAAAAAAAAAAAAAAAAAAAAAAABQAAAAAAAAAwMD/AAAAAABkAAAAMgAAAAAAAABkAAAAAAAAAH9/fwAKAAAAHwAAAFQAAABPgb0F////AQAAAAAAAAAAAAAAAAAAAAAAAAAAAAAAAAAAAAAAAAAAAAAAAn9/fwDu7OEDzMzMAMDA/wB/f38AAAAAAAAAAAAAAAAAAAAAAAAAAAAhAAAAGAAAABQAAADIBQAAiQsAAHpIAACpDwAAACAAACYAAAAIAAAAAQAAAAAAAAA="/>
+              </a:ext>
+            </a:extLst>
+          </p:cNvSpPr>
+          <p:nvPr>
+            <p:ph type="title"/>
+          </p:nvPr>
+        </p:nvSpPr>
+        <p:spPr>
+          <a:xfrm>
+            <a:off x="939800" y="1875155"/>
+            <a:ext cx="10841990" cy="670560"/>
+          </a:xfrm>
+        </p:spPr>
+        <p:txBody>
+          <a:bodyPr/>
+          <a:lstStyle/>
+          <a:p>
+            <a:pPr>
+              <a:defRPr lang="en-gb"/>
+            </a:pPr>
+            <a:r>
+              <a:rPr dirty="0"/>
+              <a:t>Foundations </a:t>
+            </a:r>
+            <a:r>
+              <a:rPr lang="en-GB" dirty="0"/>
+              <a:t>–</a:t>
+            </a:r>
+            <a:r>
+              <a:rPr dirty="0"/>
+              <a:t> Smartwatches</a:t>
+            </a:r>
+          </a:p>
+        </p:txBody>
+      </p:sp>
+      <p:sp>
+        <p:nvSpPr>
+          <p:cNvPr id="3" name="Espace réservé du texte 2"/>
+          <p:cNvSpPr>
+            <a:spLocks noGrp="1" noChangeArrowheads="1"/>
+            <a:extLst>
+              <a:ext uri="smNativeData">
+                <pr:smNativeData xmlns="" xmlns:p14="http://schemas.microsoft.com/office/powerpoint/2010/main" xmlns:pr="smNativeData" val="SMDATA_13_ec9PYBMAAAAlAAAAZAAAAE0AAAAAAAAAAAAAAAAAAAAAAAAAAAAAAAAAAAAAAAAAAAEAAABQAAAAAAAAAAAA4D8AAAAAAADgPwAAAAAAAOA/AAAAAAAA4D8AAAAAAADgPwAAAAAAAOA/AAAAAAAA4D8AAAAAAADgPwAAAAAAAOA/AAAAAAAA4D8CAAAAjAAAAAAAAAAAAAAAT4G9DP///wgAAAAAAAAAAAAAAAAAAAAAAAAAAAAAAAAAAAAAZAAAAAEAAABAAAAAAAAAAAAAAAAAAAAAAAAAAAAAAAAAAAAAAAAAAAAAAAAAAAAAAAAAAAAAAAAAAAAAAAAAAAAAAAAAAAAAAAAAAAAAAAAAAAAAAAAAAAAAAAAAAAAAFAAAADwAAAAAAAAAAAAAAAAAAAkUAAAAAQAAABQAAAAUAAAAFAAAAAEAAAAAAAAAZAAAAGQAAAAAAAAAZAAAAGQAAAAVAAAAYAAAAAAAAAAAAAAADwAAACADAAAAAAAAAAAAAAEAAACgMgAAVgcAAKr4//8BAAAAf39/AAEAAABkAAAAAAAAABQAAABAHwAAAAAAACYAAAAAAAAAwOD//wAAAAAmAAAAZAAAABYAAABMAAAAAAAAAAAAAAAEAAAAAAAAAAEAAADu7OEKAAAAACgAAAAoAAAAZAAAAGQAAAAAAAAAzMzMAAAAAABQAAAAUAAAAGQAAABkAAAAAAAAABcAAAAUAAAAAAAAAAAAAAD/fwAA/38AAAAAAAAJAAAABAAAAAAAAAAMAAAAEAAAAAAAAAAAAAAAAAAAAAAAAAAeAAAAaAAAAAAAAAAAAAAAAAAAAAAAAAAAAAAAECcAABAnAAAAAAAAAAAAAAAAAAAAAAAAAAAAAAAAAAAAAAAAAAAAABQAAAAAAAAAwMD/AAAAAABkAAAAMgAAAAAAAABkAAAAAAAAAH9/fwAKAAAAHwAAAFQAAABPgb0F////AQAAAAAAAAAAAAAAAAAAAAAAAAAAAAAAAAAAAAAAAAAAAAAAAn9/fwDu7OEDzMzMAMDA/wB/f38AAAAAAAAAAAAAAAAAAAAAAAAAAAAhAAAAGAAAABQAAADIBQAAwBIAAHpIAACQGwAAACAAACYAAAAIAAAAAYAAAAAAAAA="/>
+              </a:ext>
+            </a:extLst>
+          </p:cNvSpPr>
+          <p:nvPr>
+            <p:ph type="body" idx="1"/>
+          </p:nvPr>
+        </p:nvSpPr>
+        <p:spPr>
+          <a:xfrm>
+            <a:off x="939800" y="2545715"/>
+            <a:ext cx="10841990" cy="1432560"/>
+          </a:xfrm>
+        </p:spPr>
+        <p:txBody>
+          <a:bodyPr/>
+          <a:lstStyle>
+            <a:lvl1pPr marL="0" indent="360680" defTabSz="360045">
+              <a:lnSpc>
+                <a:spcPct val="150000"/>
+              </a:lnSpc>
+              <a:spcAft>
+                <a:spcPts val="600"/>
+              </a:spcAft>
+              <a:buClr>
+                <a:schemeClr val="accent1"/>
+              </a:buClr>
+              <a:buSzPts val="2910"/>
+              <a:buFont typeface="Wingdings" charset="0"/>
+              <a:buChar char="§"/>
+              <a:tabLst/>
+              <a:defRPr lang="de-de" sz="2800" b="0" i="0" baseline="0">
+                <a:solidFill>
+                  <a:srgbClr val="595959"/>
+                </a:solidFill>
+                <a:latin typeface="Calibri" pitchFamily="2" charset="0"/>
+                <a:ea typeface="Calibri" pitchFamily="2" charset="0"/>
+                <a:cs typeface="Calibri" pitchFamily="2" charset="0"/>
+              </a:defRPr>
+            </a:lvl1pPr>
+            <a:lvl2pPr marL="742950" indent="-285750">
+              <a:lnSpc>
+                <a:spcPct val="150000"/>
+              </a:lnSpc>
+              <a:buFont typeface="Arial" pitchFamily="2" charset="0"/>
+              <a:buChar char="•"/>
+              <a:defRPr lang="de-de" sz="2400" b="0" i="0" baseline="0">
+                <a:solidFill>
+                  <a:srgbClr val="595959"/>
+                </a:solidFill>
+                <a:latin typeface="Calibri" pitchFamily="2" charset="0"/>
+                <a:ea typeface="Calibri" pitchFamily="2" charset="0"/>
+                <a:cs typeface="Calibri" pitchFamily="2" charset="0"/>
+              </a:defRPr>
+            </a:lvl2pPr>
+            <a:lvl3pPr marL="1200150" indent="-285750">
+              <a:lnSpc>
+                <a:spcPct val="150000"/>
+              </a:lnSpc>
+              <a:buFont typeface="Wingdings" charset="0"/>
+              <a:buChar char="§"/>
+              <a:defRPr lang="de-de" sz="2000" b="0" i="0" baseline="0">
+                <a:solidFill>
+                  <a:srgbClr val="595959"/>
+                </a:solidFill>
+                <a:latin typeface="Calibri" pitchFamily="2" charset="0"/>
+                <a:ea typeface="Calibri" pitchFamily="2" charset="0"/>
+                <a:cs typeface="Calibri" pitchFamily="2" charset="0"/>
+              </a:defRPr>
+            </a:lvl3pPr>
+            <a:lvl4pPr>
+              <a:defRPr lang="de-de"/>
+            </a:lvl4pPr>
+            <a:lvl5pPr>
+              <a:defRPr lang="de-de"/>
+            </a:lvl5pPr>
+            <a:lvl6pPr>
+              <a:defRPr lang="de-de"/>
+            </a:lvl6pPr>
+            <a:lvl7pPr>
+              <a:defRPr lang="de-de"/>
+            </a:lvl7pPr>
+            <a:lvl8pPr>
+              <a:defRPr lang="de-de"/>
+            </a:lvl8pPr>
+            <a:lvl9pPr>
+              <a:defRPr lang="de-de"/>
+            </a:lvl9pPr>
+          </a:lstStyle>
+          <a:p>
+            <a:pPr>
+              <a:defRPr lang="de-de" b="0"/>
+            </a:pPr>
+            <a:r>
+              <a:rPr lang="en-US" dirty="0"/>
+              <a:t>What is a smartwatch ?</a:t>
+            </a:r>
+          </a:p>
+          <a:p>
+            <a:pPr>
+              <a:defRPr lang="de-de" b="0"/>
+            </a:pPr>
+            <a:r>
+              <a:rPr lang="en-US" dirty="0"/>
+              <a:t>Features</a:t>
+            </a:r>
+          </a:p>
+          <a:p>
+            <a:pPr lvl="1">
+              <a:defRPr lang="de-de" b="0"/>
+            </a:pPr>
+            <a:r>
+              <a:rPr lang="en-US" dirty="0"/>
+              <a:t>Have </a:t>
+            </a:r>
+            <a:r>
+              <a:rPr lang="en-US" dirty="0" err="1"/>
+              <a:t>WiFi</a:t>
+            </a:r>
+            <a:r>
+              <a:rPr lang="en-US" dirty="0"/>
+              <a:t>/Bluetooth connectivity</a:t>
+            </a:r>
+          </a:p>
+          <a:p>
+            <a:pPr lvl="1">
+              <a:defRPr lang="de-de" b="0"/>
+            </a:pPr>
+            <a:r>
+              <a:rPr lang="en-US" dirty="0"/>
+              <a:t>Support mobile applications</a:t>
+            </a:r>
+          </a:p>
+          <a:p>
+            <a:pPr lvl="1">
+              <a:defRPr lang="de-de" b="0"/>
+            </a:pPr>
+            <a:r>
+              <a:rPr lang="en-US" dirty="0"/>
+              <a:t>Have their own operating system</a:t>
+            </a:r>
+          </a:p>
+          <a:p>
+            <a:pPr lvl="1">
+              <a:defRPr lang="de-de" b="0"/>
+            </a:pPr>
+            <a:r>
+              <a:rPr lang="en-US" dirty="0"/>
+              <a:t>Peripheral devices (sensors)</a:t>
+            </a:r>
+          </a:p>
+          <a:p>
+            <a:pPr>
+              <a:defRPr lang="de-de" b="0"/>
+            </a:pPr>
+            <a:r>
+              <a:rPr dirty="0"/>
+              <a:t>A</a:t>
+            </a:r>
+          </a:p>
+          <a:p>
+            <a:pPr>
+              <a:defRPr lang="de-de" b="0"/>
+            </a:pPr>
+            <a:r>
+              <a:rPr lang="de-DE" dirty="0"/>
+              <a:t>B</a:t>
+            </a:r>
+            <a:endParaRPr dirty="0"/>
+          </a:p>
+          <a:p>
+            <a:pPr lvl="1">
+              <a:defRPr lang="de-de" b="0"/>
+            </a:pPr>
+            <a:endParaRPr dirty="0"/>
+          </a:p>
+          <a:p>
+            <a:pPr>
+              <a:defRPr lang="de-de"/>
+            </a:pPr>
+            <a:endParaRPr lang="en-gb" dirty="0"/>
+          </a:p>
+        </p:txBody>
+      </p:sp>
+      <p:sp>
+        <p:nvSpPr>
+          <p:cNvPr id="4" name="Espace réservé de la date 4"/>
+          <p:cNvSpPr>
+            <a:spLocks noGrp="1" noChangeArrowheads="1"/>
+            <a:extLst>
+              <a:ext uri="smNativeData">
+                <pr:smNativeData xmlns="" xmlns:p14="http://schemas.microsoft.com/office/powerpoint/2010/main" xmlns:pr="smNativeData" val="SMDATA_13_ec9PYBMAAAAlAAAAZAAAAA0AAAAAAAAAAAAAAAAAAAAAAAAAAAAAAAAAAAAAAAAAAAEAAABQAAAAAAAAAAAA4D8AAAAAAADgPwAAAAAAAOA/AAAAAAAA4D8AAAAAAADgPwAAAAAAAOA/AAAAAAAA4D8AAAAAAADgPwAAAAAAAOA/AAAAAAAA4D8CAAAAjAAAAAAAAAAAAAAAT4G9DP///wgAAAAAAAAAAAAAAAAAAAAAAAAAAAAAAAAAAAAAZAAAAAEAAABAAAAAAAAAAAAAAAAAAAAAAAAAAAAAAAAAAAAAAAAAAAAAAAAAAAAAAAAAAAAAAAAAAAAAAAAAAAAAAAAAAAAAAAAAAAAAAAAAAAAAAAAAAAAAAAAAAAAAFAAAADwAAAAAAAAAAAAAAAAAAAkUAAAAAQAAABQAAAAUAAAAFAAAAAEAAAAAAAAAZAAAAGQAAAAAAAAAZAAAAGQAAAAVAAAAYAAAAAAAAAAAAAAADwAAACADAAAAAAAAAAAAAAEAAACgMgAAVgcAAKr4//8BAAAAf39/AAEAAABkAAAAAAAAABQAAABAHwAAAAAAACYAAAAAAAAAwOD//wAAAAAmAAAAZAAAABYAAABMAAAAAAAAAAAAAAAEAAAAAAAAAAEAAADu7OEKAAAAACgAAAAoAAAAZAAAAGQAAAAAAAAAzMzMAAAAAABQAAAAUAAAAGQAAABkAAAAAAAAABcAAAAUAAAAAAAAAAAAAAD/fwAA/38AAAAAAAAJAAAABAAAAAAAAAAMAAAAEAAAAAAAAAAAAAAAAAAAAAAAAAAeAAAAaAAAAAAAAAAAAAAAAAAAAAAAAAAAAAAAECcAABAnAAAAAAAAAAAAAAAAAAAAAAAAAAAAAAAAAAAAAAAAAAAAABQAAAAAAAAAwMD/AAAAAABkAAAAMgAAAAAAAABkAAAAAAAAAH9/fwAKAAAAHwAAAFQAAABPgb0F////AQAAAAAAAAAAAAAAAAAAAAAAAAAAAAAAAAAAAAAAAAAAAAAAAn9/fwDu7OEDzMzMAMDA/wB/f38AAAAAAAAAAAAAAAAAAAAAAAAAAAAhAAAAGAAAABQAAADqAQAA4DgAAPAKAACYOgAAEAAAACYAAAAIAAAAAQAAAAAAAAA="/>
+              </a:ext>
+            </a:extLst>
+          </p:cNvSpPr>
+          <p:nvPr>
+            <p:ph type="dt" sz="half" idx="2"/>
+          </p:nvPr>
+        </p:nvSpPr>
+        <p:spPr>
+          <a:xfrm>
+            <a:off x="311150" y="9245600"/>
+            <a:ext cx="1466850" cy="279400"/>
+          </a:xfrm>
+        </p:spPr>
+        <p:txBody>
+          <a:bodyPr/>
+          <a:lstStyle/>
+          <a:p>
+            <a:pPr>
+              <a:defRPr lang="de-de"/>
+            </a:pPr>
+            <a:r>
+              <a:t>26.03.2021</a:t>
+            </a:r>
+          </a:p>
+        </p:txBody>
+      </p:sp>
+      <p:sp>
+        <p:nvSpPr>
+          <p:cNvPr id="5" name="Espace réservé du numéro de diapositive 5"/>
+          <p:cNvSpPr>
+            <a:spLocks noGrp="1" noChangeArrowheads="1"/>
+            <a:extLst>
+              <a:ext uri="smNativeData">
+                <pr:smNativeData xmlns="" xmlns:p14="http://schemas.microsoft.com/office/powerpoint/2010/main" xmlns:pr="smNativeData" val="SMDATA_13_ec9PYBMAAAAlAAAAZAAAAA0AAAAAAAAAAAAAAAAAAAAAAAAAAAAAAAAAAAAAAAAAAAEAAABQAAAAAAAAAAAA4D8AAAAAAADgPwAAAAAAAOA/AAAAAAAA4D8AAAAAAADgPwAAAAAAAOA/AAAAAAAA4D8AAAAAAADgPwAAAAAAAOA/AAAAAAAA4D8CAAAAjAAAAAAAAAAAAAAAT4G9DP///wgAAAAAAAAAAAAAAAAAAAAAAAAAAAAAAAAAAAAAZAAAAAEAAABAAAAAAAAAAAAAAAAAAAAAAAAAAAAAAAAAAAAAAAAAAAAAAAAAAAAAAAAAAAAAAAAAAAAAAAAAAAAAAAAAAAAAAAAAAAAAAAAAAAAAAAAAAAAAAAAAAAAAFAAAADwAAAAAAAAAAAAAAAAAAAkUAAAAAQAAABQAAAAUAAAAFAAAAAEAAAAAAAAAZAAAAGQAAAAAAAAAZAAAAGQAAAAVAAAAYAAAAAAAAAAAAAAADwAAACADAAAAAAAAAAAAAAEAAACgMgAAVgcAAKr4//8BAAAAf39/AAEAAABkAAAAAAAAABQAAABAHwAAAAAAACYAAAAAAAAAwOD//wAAAAAmAAAAZAAAABYAAABMAAAAAAAAAAAAAAAEAAAAAAAAAAEAAADu7OEKAAAAACgAAAAoAAAAZAAAAGQAAAAAAAAAzMzMAAAAAABQAAAAUAAAAGQAAABkAAAAAAAAABcAAAAUAAAAAAAAAAAAAAD/fwAA/38AAAAAAAAJAAAABAAAAAAAAAAMAAAAEAAAAAAAAAAAAAAAAAAAAAAAAAAeAAAAaAAAAAAAAAAAAAAAAAAAAAAAAAAAAAAAECcAABAnAAAAAAAAAAAAAAAAAAAAAAAAAAAAAAAAAAAAAAAAAAAAABQAAAAAAAAAwMD/AAAAAABkAAAAMgAAAAAAAABkAAAAAAAAAH9/fwAKAAAAHwAAAFQAAABPgb0F////AQAAAAAAAAAAAAAAAAAAAAAAAAAAAAAAAAAAAAAAAAAAAAAAAn9/fwDu7OEDzMzMAMDA/wB/f38AAAAAAAAAAAAAAAAAAAAAAAAAAAAhAAAAGAAAABQAAADQSAAAGDkAABZOAACYOgAAEAAAACYAAAAIAAAAAAAAAAAAAAA="/>
+              </a:ext>
+            </a:extLst>
+          </p:cNvSpPr>
+          <p:nvPr>
+            <p:ph type="sldNum" sz="quarter" idx="4"/>
+          </p:nvPr>
+        </p:nvSpPr>
+        <p:spPr/>
+        <p:txBody>
+          <a:bodyPr/>
+          <a:lstStyle/>
+          <a:p>
+            <a:pPr>
+              <a:defRPr lang="de-de"/>
+            </a:pPr>
+            <a:fld id="{5E2C5BB6-F8B3-79AD-FD94-0EF815DA0B5B}" type="slidenum">
+              <a:t>4</a:t>
+            </a:fld>
+            <a:endParaRPr/>
+          </a:p>
+        </p:txBody>
+      </p:sp>
+    </p:spTree>
+    <p:extLst>
+      <p:ext uri="{BB962C8B-B14F-4D97-AF65-F5344CB8AC3E}">
+        <p14:creationId xmlns:p14="http://schemas.microsoft.com/office/powerpoint/2010/main" val="3454076750"/>
+      </p:ext>
+    </p:extLst>
+  </p:cSld>
+  <p:clrMapOvr>
+    <a:masterClrMapping/>
+  </p:clrMapOvr>
+</p:sld>
+</file>
+
+<file path=ppt/slides/slide5.xml><?xml version="1.0" encoding="utf-8"?>
+<p:sld xmlns:a="http://schemas.openxmlformats.org/drawingml/2006/main" xmlns:r="http://schemas.openxmlformats.org/officeDocument/2006/relationships" xmlns:p="http://schemas.openxmlformats.org/presentationml/2006/main">
+  <p:cSld>
+    <p:spTree>
+      <p:nvGrpSpPr>
+        <p:cNvPr id="1" name=""/>
+        <p:cNvGrpSpPr/>
+        <p:nvPr/>
+      </p:nvGrpSpPr>
+      <p:grpSpPr>
+        <a:xfrm>
+          <a:off x="0" y="0"/>
+          <a:ext cx="0" cy="0"/>
+          <a:chOff x="0" y="0"/>
+          <a:chExt cx="0" cy="0"/>
+        </a:xfrm>
+      </p:grpSpPr>
+      <p:sp>
+        <p:nvSpPr>
+          <p:cNvPr id="2" name="Titre 1"/>
+          <p:cNvSpPr>
+            <a:spLocks noGrp="1" noChangeArrowheads="1"/>
+            <a:extLst>
+              <a:ext uri="smNativeData">
+                <pr:smNativeData xmlns:pr="smNativeData" xmlns:p14="http://schemas.microsoft.com/office/powerpoint/2010/main" xmlns="" val="SMDATA_13_ec9PYBMAAAAlAAAAZAAAAE0AAAAAAAAAAAAAAAAAAAAAAAAAAAAAAAAAAAAAAAAAAAEAAABQAAAAAAAAAAAA4D8AAAAAAADgPwAAAAAAAOA/AAAAAAAA4D8AAAAAAADgPwAAAAAAAOA/AAAAAAAA4D8AAAAAAADgPwAAAAAAAOA/AAAAAAAA4D8CAAAAjAAAAAAAAAAAAAAAT4G9DP///wgAAAAAAAAAAAAAAAAAAAAAAAAAAAAAAAAAAAAAZAAAAAEAAABAAAAAAAAAAAAAAAAAAAAAAAAAAAAAAAAAAAAAAAAAAAAAAAAAAAAAAAAAAAAAAAAAAAAAAAAAAAAAAAAAAAAAAAAAAAAAAAAAAAAAAAAAAAAAAAAAAAAAFAAAADwAAAAAAAAAAAAAAAAAAAkUAAAAAQAAABQAAAAUAAAAFAAAAAEAAAAAAAAAZAAAAGQAAAAAAAAAZAAAAGQAAAAVAAAAYAAAAAAAAAAAAAAADwAAACADAAAAAAAAAAAAAAEAAACgMgAAVgcAAKr4//8BAAAAf39/AAEAAABkAAAAAAAAABQAAABAHwAAAAAAACYAAAAAAAAAwOD//wAAAAAmAAAAZAAAABYAAABMAAAAAAAAAAAAAAAEAAAAAAAAAAEAAADu7OEKAAAAACgAAAAoAAAAZAAAAGQAAAAAAAAAzMzMAAAAAABQAAAAUAAAAGQAAABkAAAAAAAAABcAAAAUAAAAAAAAAAAAAAD/fwAA/38AAAAAAAAJAAAABAAAAAAAAAAMAAAAEAAAAAAAAAAAAAAAAAAAAAAAAAAeAAAAaAAAAAAAAAAAAAAAAAAAAAAAAAAAAAAAECcAABAnAAAAAAAAAAAAAAAAAAAAAAAAAAAAAAAAAAAAAAAAAAAAABQAAAAAAAAAwMD/AAAAAABkAAAAMgAAAAAAAABkAAAAAAAAAH9/fwAKAAAAHwAAAFQAAABPgb0F////AQAAAAAAAAAAAAAAAAAAAAAAAAAAAAAAAAAAAAAAAAAAAAAAAn9/fwDu7OEDzMzMAMDA/wB/f38AAAAAAAAAAAAAAAAAAAAAAAAAAAAhAAAAGAAAABQAAADIBQAAiQsAAHpIAACpDwAAACAAACYAAAAIAAAAAQAAAAAAAAA="/>
+              </a:ext>
+            </a:extLst>
+          </p:cNvSpPr>
+          <p:nvPr>
+            <p:ph type="title"/>
+          </p:nvPr>
+        </p:nvSpPr>
+        <p:spPr>
+          <a:xfrm>
+            <a:off x="939800" y="1875155"/>
+            <a:ext cx="10841990" cy="670560"/>
+          </a:xfrm>
+        </p:spPr>
+        <p:txBody>
+          <a:bodyPr/>
+          <a:lstStyle/>
+          <a:p>
+            <a:pPr>
+              <a:defRPr lang="en-gb"/>
+            </a:pPr>
+            <a:r>
+              <a:rPr dirty="0"/>
+              <a:t>Foundations </a:t>
+            </a:r>
+            <a:r>
+              <a:rPr lang="en-GB" dirty="0"/>
+              <a:t>–</a:t>
+            </a:r>
+            <a:r>
+              <a:rPr dirty="0"/>
+              <a:t> Tizen applications</a:t>
+            </a:r>
+          </a:p>
+        </p:txBody>
+      </p:sp>
+      <p:sp>
+        <p:nvSpPr>
+          <p:cNvPr id="3" name="Espace réservé du texte 2"/>
+          <p:cNvSpPr>
+            <a:spLocks noGrp="1" noChangeArrowheads="1"/>
+            <a:extLst>
+              <a:ext uri="smNativeData">
+                <pr:smNativeData xmlns:pr="smNativeData" xmlns:p14="http://schemas.microsoft.com/office/powerpoint/2010/main" xmlns="" val="SMDATA_13_ec9PYBMAAAAlAAAAZAAAAE0AAAAAAAAAAAAAAAAAAAAAAAAAAAAAAAAAAAAAAAAAAAEAAABQAAAAAAAAAAAA4D8AAAAAAADgPwAAAAAAAOA/AAAAAAAA4D8AAAAAAADgPwAAAAAAAOA/AAAAAAAA4D8AAAAAAADgPwAAAAAAAOA/AAAAAAAA4D8CAAAAjAAAAAAAAAAAAAAAT4G9DP///wgAAAAAAAAAAAAAAAAAAAAAAAAAAAAAAAAAAAAAZAAAAAEAAABAAAAAAAAAAAAAAAAAAAAAAAAAAAAAAAAAAAAAAAAAAAAAAAAAAAAAAAAAAAAAAAAAAAAAAAAAAAAAAAAAAAAAAAAAAAAAAAAAAAAAAAAAAAAAAAAAAAAAFAAAADwAAAAAAAAAAAAAAAAAAAkUAAAAAQAAABQAAAAUAAAAFAAAAAEAAAAAAAAAZAAAAGQAAAAAAAAAZAAAAGQAAAAVAAAAYAAAAAAAAAAAAAAADwAAACADAAAAAAAAAAAAAAEAAACgMgAAVgcAAKr4//8BAAAAf39/AAEAAABkAAAAAAAAABQAAABAHwAAAAAAACYAAAAAAAAAwOD//wAAAAAmAAAAZAAAABYAAABMAAAAAAAAAAAAAAAEAAAAAAAAAAEAAADu7OEKAAAAACgAAAAoAAAAZAAAAGQAAAAAAAAAzMzMAAAAAABQAAAAUAAAAGQAAABkAAAAAAAAABcAAAAUAAAAAAAAAAAAAAD/fwAA/38AAAAAAAAJAAAABAAAAAAAAAAMAAAAEAAAAAAAAAAAAAAAAAAAAAAAAAAeAAAAaAAAAAAAAAAAAAAAAAAAAAAAAAAAAAAAECcAABAnAAAAAAAAAAAAAAAAAAAAAAAAAAAAAAAAAAAAAAAAAAAAABQAAAAAAAAAwMD/AAAAAABkAAAAMgAAAAAAAABkAAAAAAAAAH9/fwAKAAAAHwAAAFQAAABPgb0F////AQAAAAAAAAAAAAAAAAAAAAAAAAAAAAAAAAAAAAAAAAAAAAAAAn9/fwDu7OEDzMzMAMDA/wB/f38AAAAAAAAAAAAAAAAAAAAAAAAAAAAhAAAAGAAAABQAAADIBQAAwBIAAHpIAACQGwAAACAAACYAAAAIAAAAAYAAAAAAAAA="/>
+              </a:ext>
+            </a:extLst>
+          </p:cNvSpPr>
+          <p:nvPr>
+            <p:ph type="body" idx="1"/>
+          </p:nvPr>
+        </p:nvSpPr>
+        <p:spPr>
+          <a:xfrm>
+            <a:off x="939800" y="2545715"/>
+            <a:ext cx="10841990" cy="1432560"/>
+          </a:xfrm>
+        </p:spPr>
+        <p:txBody>
+          <a:bodyPr/>
+          <a:lstStyle>
+            <a:lvl1pPr marL="0" indent="360680" defTabSz="360045">
+              <a:lnSpc>
+                <a:spcPct val="150000"/>
+              </a:lnSpc>
+              <a:spcAft>
+                <a:spcPts val="600"/>
+              </a:spcAft>
+              <a:buClr>
+                <a:schemeClr val="accent1"/>
+              </a:buClr>
+              <a:buSzPts val="2910"/>
+              <a:buFont typeface="Wingdings" charset="0"/>
+              <a:buChar char="§"/>
+              <a:tabLst/>
+              <a:defRPr lang="de-de" sz="2800" b="0" i="0" baseline="0">
+                <a:solidFill>
+                  <a:srgbClr val="595959"/>
+                </a:solidFill>
+                <a:latin typeface="Calibri" pitchFamily="2" charset="0"/>
+                <a:ea typeface="Calibri" pitchFamily="2" charset="0"/>
+                <a:cs typeface="Calibri" pitchFamily="2" charset="0"/>
+              </a:defRPr>
+            </a:lvl1pPr>
+            <a:lvl2pPr marL="742950" indent="-285750">
+              <a:lnSpc>
+                <a:spcPct val="150000"/>
+              </a:lnSpc>
+              <a:buFont typeface="Arial" pitchFamily="2" charset="0"/>
+              <a:buChar char="•"/>
+              <a:defRPr lang="de-de" sz="2400" b="0" i="0" baseline="0">
+                <a:solidFill>
+                  <a:srgbClr val="595959"/>
+                </a:solidFill>
+                <a:latin typeface="Calibri" pitchFamily="2" charset="0"/>
+                <a:ea typeface="Calibri" pitchFamily="2" charset="0"/>
+                <a:cs typeface="Calibri" pitchFamily="2" charset="0"/>
+              </a:defRPr>
+            </a:lvl2pPr>
+            <a:lvl3pPr marL="1200150" indent="-285750">
+              <a:lnSpc>
+                <a:spcPct val="150000"/>
+              </a:lnSpc>
+              <a:buFont typeface="Wingdings" charset="0"/>
+              <a:buChar char="§"/>
+              <a:defRPr lang="de-de" sz="2000" b="0" i="0" baseline="0">
+                <a:solidFill>
+                  <a:srgbClr val="595959"/>
+                </a:solidFill>
+                <a:latin typeface="Calibri" pitchFamily="2" charset="0"/>
+                <a:ea typeface="Calibri" pitchFamily="2" charset="0"/>
+                <a:cs typeface="Calibri" pitchFamily="2" charset="0"/>
+              </a:defRPr>
+            </a:lvl3pPr>
+            <a:lvl4pPr>
+              <a:defRPr lang="de-de"/>
+            </a:lvl4pPr>
+            <a:lvl5pPr>
+              <a:defRPr lang="de-de"/>
+            </a:lvl5pPr>
+            <a:lvl6pPr>
+              <a:defRPr lang="de-de"/>
+            </a:lvl6pPr>
+            <a:lvl7pPr>
+              <a:defRPr lang="de-de"/>
+            </a:lvl7pPr>
+            <a:lvl8pPr>
+              <a:defRPr lang="de-de"/>
+            </a:lvl8pPr>
+            <a:lvl9pPr>
+              <a:defRPr lang="de-de"/>
+            </a:lvl9pPr>
+          </a:lstStyle>
+          <a:p>
+            <a:pPr>
+              <a:defRPr lang="de-de" b="0"/>
+            </a:pPr>
+            <a:r>
+              <a:rPr dirty="0"/>
+              <a:t>Native applications </a:t>
+            </a:r>
+            <a:r>
+              <a:rPr lang="en-GB" dirty="0"/>
+              <a:t>–</a:t>
+            </a:r>
+            <a:r>
+              <a:rPr dirty="0"/>
+              <a:t> C/C++ based</a:t>
+            </a:r>
+          </a:p>
+          <a:p>
+            <a:pPr lvl="1">
+              <a:defRPr lang="de-de" b="0"/>
+            </a:pPr>
+            <a:r>
+              <a:rPr lang="de-DE" dirty="0"/>
+              <a:t>Advantages</a:t>
+            </a:r>
+          </a:p>
+          <a:p>
+            <a:pPr lvl="1">
+              <a:defRPr lang="de-de" b="0"/>
+            </a:pPr>
+            <a:r>
+              <a:rPr lang="de-DE" dirty="0"/>
+              <a:t>Disadvantages</a:t>
+            </a:r>
+            <a:endParaRPr dirty="0"/>
+          </a:p>
+          <a:p>
+            <a:pPr>
+              <a:defRPr lang="de-de" b="0"/>
+            </a:pPr>
+            <a:r>
+              <a:rPr lang="de-DE" dirty="0"/>
+              <a:t>Web applications – HTML5 based</a:t>
+            </a:r>
+          </a:p>
+          <a:p>
+            <a:pPr lvl="1">
+              <a:defRPr lang="de-de" b="0"/>
+            </a:pPr>
+            <a:r>
+              <a:rPr lang="de-DE" dirty="0"/>
+              <a:t>Advantages</a:t>
+            </a:r>
+          </a:p>
+          <a:p>
+            <a:pPr lvl="1">
+              <a:defRPr lang="de-de" b="0"/>
+            </a:pPr>
+            <a:r>
+              <a:rPr lang="de-DE" dirty="0"/>
+              <a:t>Disadvantages</a:t>
+            </a:r>
+          </a:p>
+          <a:p>
+            <a:pPr>
+              <a:defRPr lang="de-de" b="0"/>
+            </a:pPr>
+            <a:r>
+              <a:rPr lang="de-DE" dirty="0"/>
+              <a:t>.Net applications – C# based</a:t>
+            </a:r>
+          </a:p>
+          <a:p>
+            <a:pPr lvl="1">
+              <a:defRPr lang="de-de" b="0"/>
+            </a:pPr>
+            <a:r>
+              <a:rPr lang="de-DE" dirty="0"/>
+              <a:t>Advantages</a:t>
+            </a:r>
+          </a:p>
+          <a:p>
+            <a:pPr lvl="1">
+              <a:defRPr lang="de-de" b="0"/>
+            </a:pPr>
+            <a:r>
+              <a:rPr lang="de-DE" dirty="0"/>
+              <a:t>Disadvantages</a:t>
+            </a:r>
+            <a:endParaRPr dirty="0"/>
+          </a:p>
+        </p:txBody>
+      </p:sp>
+      <p:sp>
+        <p:nvSpPr>
+          <p:cNvPr id="4" name="Espace réservé de la date 4"/>
+          <p:cNvSpPr>
+            <a:spLocks noGrp="1" noChangeArrowheads="1"/>
+            <a:extLst>
+              <a:ext uri="smNativeData">
+                <pr:smNativeData xmlns:pr="smNativeData" xmlns:p14="http://schemas.microsoft.com/office/powerpoint/2010/main" xmlns="" val="SMDATA_13_ec9PYBMAAAAlAAAAZAAAAA0AAAAAAAAAAAAAAAAAAAAAAAAAAAAAAAAAAAAAAAAAAAEAAABQAAAAAAAAAAAA4D8AAAAAAADgPwAAAAAAAOA/AAAAAAAA4D8AAAAAAADgPwAAAAAAAOA/AAAAAAAA4D8AAAAAAADgPwAAAAAAAOA/AAAAAAAA4D8CAAAAjAAAAAAAAAAAAAAAT4G9DP///wgAAAAAAAAAAAAAAAAAAAAAAAAAAAAAAAAAAAAAZAAAAAEAAABAAAAAAAAAAAAAAAAAAAAAAAAAAAAAAAAAAAAAAAAAAAAAAAAAAAAAAAAAAAAAAAAAAAAAAAAAAAAAAAAAAAAAAAAAAAAAAAAAAAAAAAAAAAAAAAAAAAAAFAAAADwAAAAAAAAAAAAAAAAAAAkUAAAAAQAAABQAAAAUAAAAFAAAAAEAAAAAAAAAZAAAAGQAAAAAAAAAZAAAAGQAAAAVAAAAYAAAAAAAAAAAAAAADwAAACADAAAAAAAAAAAAAAEAAACgMgAAVgcAAKr4//8BAAAAf39/AAEAAABkAAAAAAAAABQAAABAHwAAAAAAACYAAAAAAAAAwOD//wAAAAAmAAAAZAAAABYAAABMAAAAAAAAAAAAAAAEAAAAAAAAAAEAAADu7OEKAAAAACgAAAAoAAAAZAAAAGQAAAAAAAAAzMzMAAAAAABQAAAAUAAAAGQAAABkAAAAAAAAABcAAAAUAAAAAAAAAAAAAAD/fwAA/38AAAAAAAAJAAAABAAAAAAAAAAMAAAAEAAAAAAAAAAAAAAAAAAAAAAAAAAeAAAAaAAAAAAAAAAAAAAAAAAAAAAAAAAAAAAAECcAABAnAAAAAAAAAAAAAAAAAAAAAAAAAAAAAAAAAAAAAAAAAAAAABQAAAAAAAAAwMD/AAAAAABkAAAAMgAAAAAAAABkAAAAAAAAAH9/fwAKAAAAHwAAAFQAAABPgb0F////AQAAAAAAAAAAAAAAAAAAAAAAAAAAAAAAAAAAAAAAAAAAAAAAAn9/fwDu7OEDzMzMAMDA/wB/f38AAAAAAAAAAAAAAAAAAAAAAAAAAAAhAAAAGAAAABQAAADqAQAA4DgAAPAKAACYOgAAEAAAACYAAAAIAAAAAQAAAAAAAAA="/>
+              </a:ext>
+            </a:extLst>
+          </p:cNvSpPr>
+          <p:nvPr>
+            <p:ph type="dt" sz="half" idx="2"/>
+          </p:nvPr>
+        </p:nvSpPr>
+        <p:spPr>
+          <a:xfrm>
+            <a:off x="311150" y="9245600"/>
+            <a:ext cx="1466850" cy="279400"/>
+          </a:xfrm>
+        </p:spPr>
+        <p:txBody>
+          <a:bodyPr/>
+          <a:lstStyle/>
+          <a:p>
+            <a:pPr>
+              <a:defRPr lang="de-de"/>
+            </a:pPr>
+            <a:r>
+              <a:t>26.03.2021</a:t>
+            </a:r>
+          </a:p>
+        </p:txBody>
+      </p:sp>
+      <p:sp>
+        <p:nvSpPr>
+          <p:cNvPr id="5" name="Espace réservé du numéro de diapositive 5"/>
+          <p:cNvSpPr>
+            <a:spLocks noGrp="1" noChangeArrowheads="1"/>
+            <a:extLst>
+              <a:ext uri="smNativeData">
+                <pr:smNativeData xmlns:pr="smNativeData" xmlns:p14="http://schemas.microsoft.com/office/powerpoint/2010/main" xmlns="" val="SMDATA_13_ec9PYBMAAAAlAAAAZAAAAA0AAAAAAAAAAAAAAAAAAAAAAAAAAAAAAAAAAAAAAAAAAAEAAABQAAAAAAAAAAAA4D8AAAAAAADgPwAAAAAAAOA/AAAAAAAA4D8AAAAAAADgPwAAAAAAAOA/AAAAAAAA4D8AAAAAAADgPwAAAAAAAOA/AAAAAAAA4D8CAAAAjAAAAAAAAAAAAAAAT4G9DP///wgAAAAAAAAAAAAAAAAAAAAAAAAAAAAAAAAAAAAAZAAAAAEAAABAAAAAAAAAAAAAAAAAAAAAAAAAAAAAAAAAAAAAAAAAAAAAAAAAAAAAAAAAAAAAAAAAAAAAAAAAAAAAAAAAAAAAAAAAAAAAAAAAAAAAAAAAAAAAAAAAAAAAFAAAADwAAAAAAAAAAAAAAAAAAAkUAAAAAQAAABQAAAAUAAAAFAAAAAEAAAAAAAAAZAAAAGQAAAAAAAAAZAAAAGQAAAAVAAAAYAAAAAAAAAAAAAAADwAAACADAAAAAAAAAAAAAAEAAACgMgAAVgcAAKr4//8BAAAAf39/AAEAAABkAAAAAAAAABQAAABAHwAAAAAAACYAAAAAAAAAwOD//wAAAAAmAAAAZAAAABYAAABMAAAAAAAAAAAAAAAEAAAAAAAAAAEAAADu7OEKAAAAACgAAAAoAAAAZAAAAGQAAAAAAAAAzMzMAAAAAABQAAAAUAAAAGQAAABkAAAAAAAAABcAAAAUAAAAAAAAAAAAAAD/fwAA/38AAAAAAAAJAAAABAAAAAAAAAAMAAAAEAAAAAAAAAAAAAAAAAAAAAAAAAAeAAAAaAAAAAAAAAAAAAAAAAAAAAAAAAAAAAAAECcAABAnAAAAAAAAAAAAAAAAAAAAAAAAAAAAAAAAAAAAAAAAAAAAABQAAAAAAAAAwMD/AAAAAABkAAAAMgAAAAAAAABkAAAAAAAAAH9/fwAKAAAAHwAAAFQAAABPgb0F////AQAAAAAAAAAAAAAAAAAAAAAAAAAAAAAAAAAAAAAAAAAAAAAAAn9/fwDu7OEDzMzMAMDA/wB/f38AAAAAAAAAAAAAAAAAAAAAAAAAAAAhAAAAGAAAABQAAADQSAAAGDkAABZOAACYOgAAEAAAACYAAAAIAAAAAAAAAAAAAAA="/>
+              </a:ext>
+            </a:extLst>
+          </p:cNvSpPr>
+          <p:nvPr>
+            <p:ph type="sldNum" sz="quarter" idx="4"/>
+          </p:nvPr>
+        </p:nvSpPr>
+        <p:spPr/>
+        <p:txBody>
+          <a:bodyPr/>
+          <a:lstStyle/>
+          <a:p>
+            <a:pPr>
+              <a:defRPr lang="de-de"/>
+            </a:pPr>
+            <a:fld id="{5E2C5BB6-F8B3-79AD-FD94-0EF815DA0B5B}" type="slidenum">
+              <a:t>5</a:t>
+            </a:fld>
+            <a:endParaRPr/>
+          </a:p>
+        </p:txBody>
+      </p:sp>
+      <p:pic>
+        <p:nvPicPr>
+          <p:cNvPr id="1026" name="Picture 2">
+            <a:extLst>
+              <a:ext uri="{FF2B5EF4-FFF2-40B4-BE49-F238E27FC236}">
+                <a16:creationId xmlns:a16="http://schemas.microsoft.com/office/drawing/2014/main" id="{011DEEEC-39CD-47DB-AE5A-8ED1DD9B8005}"/>
+              </a:ext>
+            </a:extLst>
+          </p:cNvPr>
+          <p:cNvPicPr>
+            <a:picLocks noChangeAspect="1" noChangeArrowheads="1"/>
+          </p:cNvPicPr>
+          <p:nvPr/>
+        </p:nvPicPr>
+        <p:blipFill>
+          <a:blip r:embed="rId2" cstate="print">
+            <a:extLst>
+              <a:ext uri="{28A0092B-C50C-407E-A947-70E740481C1C}">
+                <a14:useLocalDpi xmlns:a14="http://schemas.microsoft.com/office/drawing/2010/main" val="0"/>
+              </a:ext>
+            </a:extLst>
+          </a:blip>
+          <a:srcRect/>
+          <a:stretch>
+            <a:fillRect/>
+          </a:stretch>
+        </p:blipFill>
+        <p:spPr bwMode="auto">
+          <a:xfrm>
+            <a:off x="10195719" y="3031008"/>
+            <a:ext cx="2069306" cy="2069306"/>
+          </a:xfrm>
+          <a:prstGeom prst="rect">
+            <a:avLst/>
+          </a:prstGeom>
+          <a:noFill/>
+          <a:extLst>
+            <a:ext uri="{909E8E84-426E-40DD-AFC4-6F175D3DCCD1}">
+              <a14:hiddenFill xmlns:a14="http://schemas.microsoft.com/office/drawing/2010/main">
+                <a:solidFill>
+                  <a:srgbClr val="FFFFFF"/>
+                </a:solidFill>
+              </a14:hiddenFill>
+            </a:ext>
+          </a:extLst>
+        </p:spPr>
+      </p:pic>
+      <p:pic>
+        <p:nvPicPr>
+          <p:cNvPr id="7" name="Picture 6">
+            <a:extLst>
+              <a:ext uri="{FF2B5EF4-FFF2-40B4-BE49-F238E27FC236}">
+                <a16:creationId xmlns:a16="http://schemas.microsoft.com/office/drawing/2014/main" id="{F2058864-F526-4EB9-9C3A-D15A2586F39A}"/>
+              </a:ext>
+            </a:extLst>
+          </p:cNvPr>
+          <p:cNvPicPr>
+            <a:picLocks noChangeAspect="1"/>
+          </p:cNvPicPr>
+          <p:nvPr/>
+        </p:nvPicPr>
+        <p:blipFill>
+          <a:blip r:embed="rId3"/>
+          <a:stretch>
+            <a:fillRect/>
+          </a:stretch>
+        </p:blipFill>
+        <p:spPr>
+          <a:xfrm>
+            <a:off x="5585274" y="6240145"/>
+            <a:ext cx="7108376" cy="2555722"/>
+          </a:xfrm>
+          <a:prstGeom prst="rect">
+            <a:avLst/>
+          </a:prstGeom>
+        </p:spPr>
+      </p:pic>
+    </p:spTree>
+  </p:cSld>
+  <p:clrMapOvr>
+    <a:masterClrMapping/>
+  </p:clrMapOvr>
+</p:sld>
+</file>
+
+<file path=ppt/slides/slide6.xml><?xml version="1.0" encoding="utf-8"?>
+<p:sld xmlns:a="http://schemas.openxmlformats.org/drawingml/2006/main" xmlns:r="http://schemas.openxmlformats.org/officeDocument/2006/relationships" xmlns:p="http://schemas.openxmlformats.org/presentationml/2006/main">
+  <p:cSld>
+    <p:spTree>
+      <p:nvGrpSpPr>
+        <p:cNvPr id="1" name=""/>
+        <p:cNvGrpSpPr/>
+        <p:nvPr/>
+      </p:nvGrpSpPr>
+      <p:grpSpPr>
+        <a:xfrm>
+          <a:off x="0" y="0"/>
+          <a:ext cx="0" cy="0"/>
+          <a:chOff x="0" y="0"/>
+          <a:chExt cx="0" cy="0"/>
+        </a:xfrm>
+      </p:grpSpPr>
+      <p:sp>
+        <p:nvSpPr>
+          <p:cNvPr id="2" name="Titre 1"/>
+          <p:cNvSpPr>
+            <a:spLocks noGrp="1" noChangeArrowheads="1"/>
+            <a:extLst>
+              <a:ext uri="smNativeData">
+                <pr:smNativeData xmlns="" xmlns:p14="http://schemas.microsoft.com/office/powerpoint/2010/main" xmlns:pr="smNativeData" val="SMDATA_13_ec9PYBMAAAAlAAAAZAAAAE0AAAAAAAAAAAAAAAAAAAAAAAAAAAAAAAAAAAAAAAAAAAEAAABQAAAAAAAAAAAA4D8AAAAAAADgPwAAAAAAAOA/AAAAAAAA4D8AAAAAAADgPwAAAAAAAOA/AAAAAAAA4D8AAAAAAADgPwAAAAAAAOA/AAAAAAAA4D8CAAAAjAAAAAAAAAAAAAAAT4G9DP///wgAAAAAAAAAAAAAAAAAAAAAAAAAAAAAAAAAAAAAZAAAAAEAAABAAAAAAAAAAAAAAAAAAAAAAAAAAAAAAAAAAAAAAAAAAAAAAAAAAAAAAAAAAAAAAAAAAAAAAAAAAAAAAAAAAAAAAAAAAAAAAAAAAAAAAAAAAAAAAAAAAAAAFAAAADwAAAAAAAAAAAAAAAAAAAkUAAAAAQAAABQAAAAUAAAAFAAAAAEAAAAAAAAAZAAAAGQAAAAAAAAAZAAAAGQAAAAVAAAAYAAAAAAAAAAAAAAADwAAACADAAAAAAAAAAAAAAEAAACgMgAAVgcAAKr4//8BAAAAf39/AAEAAABkAAAAAAAAABQAAABAHwAAAAAAACYAAAAAAAAAwOD//wAAAAAmAAAAZAAAABYAAABMAAAAAAAAAAAAAAAEAAAAAAAAAAEAAADu7OEKAAAAACgAAAAoAAAAZAAAAGQAAAAAAAAAzMzMAAAAAABQAAAAUAAAAGQAAABkAAAAAAAAABcAAAAUAAAAAAAAAAAAAAD/fwAA/38AAAAAAAAJAAAABAAAAAAAAAAMAAAAEAAAAAAAAAAAAAAAAAAAAAAAAAAeAAAAaAAAAAAAAAAAAAAAAAAAAAAAAAAAAAAAECcAABAnAAAAAAAAAAAAAAAAAAAAAAAAAAAAAAAAAAAAAAAAAAAAABQAAAAAAAAAwMD/AAAAAABkAAAAMgAAAAAAAABkAAAAAAAAAH9/fwAKAAAAHwAAAFQAAABPgb0F////AQAAAAAAAAAAAAAAAAAAAAAAAAAAAAAAAAAAAAAAAAAAAAAAAn9/fwDu7OEDzMzMAMDA/wB/f38AAAAAAAAAAAAAAAAAAAAAAAAAAAAhAAAAGAAAABQAAADIBQAAiQsAAHpIAACpDwAAACAAACYAAAAIAAAAAQAAAAAAAAA="/>
+              </a:ext>
+            </a:extLst>
+          </p:cNvSpPr>
+          <p:nvPr>
+            <p:ph type="title"/>
+          </p:nvPr>
+        </p:nvSpPr>
+        <p:spPr>
+          <a:xfrm>
+            <a:off x="939800" y="1875155"/>
+            <a:ext cx="10841990" cy="670560"/>
+          </a:xfrm>
+        </p:spPr>
+        <p:txBody>
+          <a:bodyPr/>
+          <a:lstStyle/>
+          <a:p>
+            <a:pPr>
+              <a:defRPr lang="en-gb"/>
+            </a:pPr>
+            <a:r>
+              <a:rPr dirty="0"/>
+              <a:t>Foundations </a:t>
+            </a:r>
+            <a:r>
+              <a:rPr lang="en-GB" dirty="0"/>
+              <a:t>–</a:t>
+            </a:r>
+            <a:r>
+              <a:rPr dirty="0"/>
+              <a:t> </a:t>
+            </a:r>
+            <a:r>
+              <a:rPr dirty="0" err="1"/>
+              <a:t>.Net</a:t>
+            </a:r>
+            <a:r>
+              <a:rPr dirty="0"/>
+              <a:t> applications</a:t>
+            </a:r>
+            <a:br>
+              <a:rPr dirty="0"/>
+            </a:br>
+            <a:br>
+              <a:rPr lang="en-GB" dirty="0"/>
+            </a:br>
+            <a:br>
+              <a:rPr dirty="0"/>
+            </a:br>
+            <a:br>
+              <a:rPr dirty="0"/>
+            </a:br>
+            <a:endParaRPr dirty="0"/>
+          </a:p>
+        </p:txBody>
+      </p:sp>
+      <p:sp>
+        <p:nvSpPr>
+          <p:cNvPr id="3" name="Espace réservé du texte 2"/>
+          <p:cNvSpPr>
+            <a:spLocks noGrp="1" noChangeArrowheads="1"/>
+            <a:extLst>
+              <a:ext uri="smNativeData">
+                <pr:smNativeData xmlns="" xmlns:p14="http://schemas.microsoft.com/office/powerpoint/2010/main" xmlns:pr="smNativeData" val="SMDATA_13_ec9PYBMAAAAlAAAAZAAAAE0AAAAAAAAAAAAAAAAAAAAAAAAAAAAAAAAAAAAAAAAAAAEAAABQAAAAAAAAAAAA4D8AAAAAAADgPwAAAAAAAOA/AAAAAAAA4D8AAAAAAADgPwAAAAAAAOA/AAAAAAAA4D8AAAAAAADgPwAAAAAAAOA/AAAAAAAA4D8CAAAAjAAAAAAAAAAAAAAAT4G9DP///wgAAAAAAAAAAAAAAAAAAAAAAAAAAAAAAAAAAAAAZAAAAAEAAABAAAAAAAAAAAAAAAAAAAAAAAAAAAAAAAAAAAAAAAAAAAAAAAAAAAAAAAAAAAAAAAAAAAAAAAAAAAAAAAAAAAAAAAAAAAAAAAAAAAAAAAAAAAAAAAAAAAAAFAAAADwAAAAAAAAAAAAAAAAAAAkUAAAAAQAAABQAAAAUAAAAFAAAAAEAAAAAAAAAZAAAAGQAAAAAAAAAZAAAAGQAAAAVAAAAYAAAAAAAAAAAAAAADwAAACADAAAAAAAAAAAAAAEAAACgMgAAVgcAAKr4//8BAAAAf39/AAEAAABkAAAAAAAAABQAAABAHwAAAAAAACYAAAAAAAAAwOD//wAAAAAmAAAAZAAAABYAAABMAAAAAAAAAAAAAAAEAAAAAAAAAAEAAADu7OEKAAAAACgAAAAoAAAAZAAAAGQAAAAAAAAAzMzMAAAAAABQAAAAUAAAAGQAAABkAAAAAAAAABcAAAAUAAAAAAAAAAAAAAD/fwAA/38AAAAAAAAJAAAABAAAAAAAAAAMAAAAEAAAAAAAAAAAAAAAAAAAAAAAAAAeAAAAaAAAAAAAAAAAAAAAAAAAAAAAAAAAAAAAECcAABAnAAAAAAAAAAAAAAAAAAAAAAAAAAAAAAAAAAAAAAAAAAAAABQAAAAAAAAAwMD/AAAAAABkAAAAMgAAAAAAAABkAAAAAAAAAH9/fwAKAAAAHwAAAFQAAABPgb0F////AQAAAAAAAAAAAAAAAAAAAAAAAAAAAAAAAAAAAAAAAAAAAAAAAn9/fwDu7OEDzMzMAMDA/wB/f38AAAAAAAAAAAAAAAAAAAAAAAAAAAAhAAAAGAAAABQAAADIBQAAwBIAAHpIAACQGwAAACAAACYAAAAIAAAAAYAAAAAAAAA="/>
+              </a:ext>
+            </a:extLst>
+          </p:cNvSpPr>
+          <p:nvPr>
+            <p:ph type="body" idx="1"/>
+          </p:nvPr>
+        </p:nvSpPr>
+        <p:spPr>
+          <a:xfrm>
+            <a:off x="995436" y="2707075"/>
+            <a:ext cx="6655044" cy="3174295"/>
+          </a:xfrm>
+        </p:spPr>
+        <p:txBody>
+          <a:bodyPr/>
+          <a:lstStyle>
+            <a:lvl1pPr marL="0" indent="360680" defTabSz="360045">
+              <a:lnSpc>
+                <a:spcPct val="150000"/>
+              </a:lnSpc>
+              <a:spcAft>
+                <a:spcPts val="600"/>
+              </a:spcAft>
+              <a:buClr>
+                <a:schemeClr val="accent1"/>
+              </a:buClr>
+              <a:buSzPts val="2910"/>
+              <a:buFont typeface="Wingdings" charset="0"/>
+              <a:buChar char="§"/>
+              <a:tabLst/>
+              <a:defRPr lang="de-de" sz="2800" b="0" i="0" baseline="0">
+                <a:solidFill>
+                  <a:srgbClr val="595959"/>
+                </a:solidFill>
+                <a:latin typeface="Calibri" pitchFamily="2" charset="0"/>
+                <a:ea typeface="Calibri" pitchFamily="2" charset="0"/>
+                <a:cs typeface="Calibri" pitchFamily="2" charset="0"/>
+              </a:defRPr>
+            </a:lvl1pPr>
+            <a:lvl2pPr marL="742950" indent="-285750">
+              <a:lnSpc>
+                <a:spcPct val="150000"/>
+              </a:lnSpc>
+              <a:buFont typeface="Arial" pitchFamily="2" charset="0"/>
+              <a:buChar char="•"/>
+              <a:defRPr lang="de-de" sz="2400" b="0" i="0" baseline="0">
+                <a:solidFill>
+                  <a:srgbClr val="595959"/>
+                </a:solidFill>
+                <a:latin typeface="Calibri" pitchFamily="2" charset="0"/>
+                <a:ea typeface="Calibri" pitchFamily="2" charset="0"/>
+                <a:cs typeface="Calibri" pitchFamily="2" charset="0"/>
+              </a:defRPr>
+            </a:lvl2pPr>
+            <a:lvl3pPr marL="1200150" indent="-285750">
+              <a:lnSpc>
+                <a:spcPct val="150000"/>
+              </a:lnSpc>
+              <a:buFont typeface="Wingdings" charset="0"/>
+              <a:buChar char="§"/>
+              <a:defRPr lang="de-de" sz="2000" b="0" i="0" baseline="0">
+                <a:solidFill>
+                  <a:srgbClr val="595959"/>
+                </a:solidFill>
+                <a:latin typeface="Calibri" pitchFamily="2" charset="0"/>
+                <a:ea typeface="Calibri" pitchFamily="2" charset="0"/>
+                <a:cs typeface="Calibri" pitchFamily="2" charset="0"/>
+              </a:defRPr>
+            </a:lvl3pPr>
+            <a:lvl4pPr>
+              <a:defRPr lang="de-de"/>
+            </a:lvl4pPr>
+            <a:lvl5pPr>
+              <a:defRPr lang="de-de"/>
+            </a:lvl5pPr>
+            <a:lvl6pPr>
+              <a:defRPr lang="de-de"/>
+            </a:lvl6pPr>
+            <a:lvl7pPr>
+              <a:defRPr lang="de-de"/>
+            </a:lvl7pPr>
+            <a:lvl8pPr>
+              <a:defRPr lang="de-de"/>
+            </a:lvl8pPr>
+            <a:lvl9pPr>
+              <a:defRPr lang="de-de"/>
+            </a:lvl9pPr>
+          </a:lstStyle>
+          <a:p>
+            <a:pPr>
+              <a:defRPr lang="de-de" b="0"/>
+            </a:pPr>
+            <a:r>
+              <a:rPr lang="en-US" dirty="0"/>
+              <a:t>.Net framework</a:t>
+            </a:r>
+          </a:p>
+          <a:p>
+            <a:pPr>
+              <a:defRPr lang="de-de" b="0"/>
+            </a:pPr>
+            <a:r>
+              <a:rPr lang="en-US" dirty="0"/>
+              <a:t>Xamarin Forms</a:t>
+            </a:r>
+          </a:p>
+          <a:p>
+            <a:pPr>
+              <a:defRPr lang="de-de" b="0"/>
+            </a:pPr>
+            <a:r>
+              <a:rPr lang="en-US" dirty="0"/>
+              <a:t>TizenFX</a:t>
+            </a:r>
+          </a:p>
+        </p:txBody>
+      </p:sp>
+      <p:sp>
+        <p:nvSpPr>
+          <p:cNvPr id="4" name="Espace réservé de la date 4"/>
+          <p:cNvSpPr>
+            <a:spLocks noGrp="1" noChangeArrowheads="1"/>
+            <a:extLst>
+              <a:ext uri="smNativeData">
+                <pr:smNativeData xmlns="" xmlns:p14="http://schemas.microsoft.com/office/powerpoint/2010/main" xmlns:pr="smNativeData" val="SMDATA_13_ec9PYBMAAAAlAAAAZAAAAA0AAAAAAAAAAAAAAAAAAAAAAAAAAAAAAAAAAAAAAAAAAAEAAABQAAAAAAAAAAAA4D8AAAAAAADgPwAAAAAAAOA/AAAAAAAA4D8AAAAAAADgPwAAAAAAAOA/AAAAAAAA4D8AAAAAAADgPwAAAAAAAOA/AAAAAAAA4D8CAAAAjAAAAAAAAAAAAAAAT4G9DP///wgAAAAAAAAAAAAAAAAAAAAAAAAAAAAAAAAAAAAAZAAAAAEAAABAAAAAAAAAAAAAAAAAAAAAAAAAAAAAAAAAAAAAAAAAAAAAAAAAAAAAAAAAAAAAAAAAAAAAAAAAAAAAAAAAAAAAAAAAAAAAAAAAAAAAAAAAAAAAAAAAAAAAFAAAADwAAAAAAAAAAAAAAAAAAAkUAAAAAQAAABQAAAAUAAAAFAAAAAEAAAAAAAAAZAAAAGQAAAAAAAAAZAAAAGQAAAAVAAAAYAAAAAAAAAAAAAAADwAAACADAAAAAAAAAAAAAAEAAACgMgAAVgcAAKr4//8BAAAAf39/AAEAAABkAAAAAAAAABQAAABAHwAAAAAAACYAAAAAAAAAwOD//wAAAAAmAAAAZAAAABYAAABMAAAAAAAAAAAAAAAEAAAAAAAAAAEAAADu7OEKAAAAACgAAAAoAAAAZAAAAGQAAAAAAAAAzMzMAAAAAABQAAAAUAAAAGQAAABkAAAAAAAAABcAAAAUAAAAAAAAAAAAAAD/fwAA/38AAAAAAAAJAAAABAAAAAAAAAAMAAAAEAAAAAAAAAAAAAAAAAAAAAAAAAAeAAAAaAAAAAAAAAAAAAAAAAAAAAAAAAAAAAAAECcAABAnAAAAAAAAAAAAAAAAAAAAAAAAAAAAAAAAAAAAAAAAAAAAABQAAAAAAAAAwMD/AAAAAABkAAAAMgAAAAAAAABkAAAAAAAAAH9/fwAKAAAAHwAAAFQAAABPgb0F////AQAAAAAAAAAAAAAAAAAAAAAAAAAAAAAAAAAAAAAAAAAAAAAAAn9/fwDu7OEDzMzMAMDA/wB/f38AAAAAAAAAAAAAAAAAAAAAAAAAAAAhAAAAGAAAABQAAADqAQAA4DgAAPAKAACYOgAAEAAAACYAAAAIAAAAAQAAAAAAAAA="/>
+              </a:ext>
+            </a:extLst>
+          </p:cNvSpPr>
+          <p:nvPr>
+            <p:ph type="dt" sz="half" idx="2"/>
+          </p:nvPr>
+        </p:nvSpPr>
+        <p:spPr>
+          <a:xfrm>
+            <a:off x="311150" y="9245600"/>
+            <a:ext cx="1466850" cy="279400"/>
+          </a:xfrm>
+        </p:spPr>
+        <p:txBody>
+          <a:bodyPr/>
+          <a:lstStyle/>
+          <a:p>
+            <a:pPr>
+              <a:defRPr lang="de-de"/>
+            </a:pPr>
+            <a:r>
+              <a:t>26.03.2021</a:t>
+            </a:r>
+          </a:p>
+        </p:txBody>
+      </p:sp>
+      <p:sp>
+        <p:nvSpPr>
+          <p:cNvPr id="5" name="Espace réservé du numéro de diapositive 5"/>
+          <p:cNvSpPr>
+            <a:spLocks noGrp="1" noChangeArrowheads="1"/>
+            <a:extLst>
+              <a:ext uri="smNativeData">
+                <pr:smNativeData xmlns="" xmlns:p14="http://schemas.microsoft.com/office/powerpoint/2010/main" xmlns:pr="smNativeData" val="SMDATA_13_ec9PYBMAAAAlAAAAZAAAAA0AAAAAAAAAAAAAAAAAAAAAAAAAAAAAAAAAAAAAAAAAAAEAAABQAAAAAAAAAAAA4D8AAAAAAADgPwAAAAAAAOA/AAAAAAAA4D8AAAAAAADgPwAAAAAAAOA/AAAAAAAA4D8AAAAAAADgPwAAAAAAAOA/AAAAAAAA4D8CAAAAjAAAAAAAAAAAAAAAT4G9DP///wgAAAAAAAAAAAAAAAAAAAAAAAAAAAAAAAAAAAAAZAAAAAEAAABAAAAAAAAAAAAAAAAAAAAAAAAAAAAAAAAAAAAAAAAAAAAAAAAAAAAAAAAAAAAAAAAAAAAAAAAAAAAAAAAAAAAAAAAAAAAAAAAAAAAAAAAAAAAAAAAAAAAAFAAAADwAAAAAAAAAAAAAAAAAAAkUAAAAAQAAABQAAAAUAAAAFAAAAAEAAAAAAAAAZAAAAGQAAAAAAAAAZAAAAGQAAAAVAAAAYAAAAAAAAAAAAAAADwAAACADAAAAAAAAAAAAAAEAAACgMgAAVgcAAKr4//8BAAAAf39/AAEAAABkAAAAAAAAABQAAABAHwAAAAAAACYAAAAAAAAAwOD//wAAAAAmAAAAZAAAABYAAABMAAAAAAAAAAAAAAAEAAAAAAAAAAEAAADu7OEKAAAAACgAAAAoAAAAZAAAAGQAAAAAAAAAzMzMAAAAAABQAAAAUAAAAGQAAABkAAAAAAAAABcAAAAUAAAAAAAAAAAAAAD/fwAA/38AAAAAAAAJAAAABAAAAAAAAAAMAAAAEAAAAAAAAAAAAAAAAAAAAAAAAAAeAAAAaAAAAAAAAAAAAAAAAAAAAAAAAAAAAAAAECcAABAnAAAAAAAAAAAAAAAAAAAAAAAAAAAAAAAAAAAAAAAAAAAAABQAAAAAAAAAwMD/AAAAAABkAAAAMgAAAAAAAABkAAAAAAAAAH9/fwAKAAAAHwAAAFQAAABPgb0F////AQAAAAAAAAAAAAAAAAAAAAAAAAAAAAAAAAAAAAAAAAAAAAAAAn9/fwDu7OEDzMzMAMDA/wB/f38AAAAAAAAAAAAAAAAAAAAAAAAAAAAhAAAAGAAAABQAAADQSAAAGDkAABZOAACYOgAAEAAAACYAAAAIAAAAAAAAAAAAAAA="/>
+              </a:ext>
+            </a:extLst>
+          </p:cNvSpPr>
+          <p:nvPr>
+            <p:ph type="sldNum" sz="quarter" idx="4"/>
+          </p:nvPr>
+        </p:nvSpPr>
+        <p:spPr/>
+        <p:txBody>
+          <a:bodyPr/>
+          <a:lstStyle/>
+          <a:p>
+            <a:pPr>
+              <a:defRPr lang="de-de"/>
+            </a:pPr>
+            <a:fld id="{5E2C5BB6-F8B3-79AD-FD94-0EF815DA0B5B}" type="slidenum">
+              <a:t>6</a:t>
+            </a:fld>
+            <a:endParaRPr/>
+          </a:p>
+        </p:txBody>
+      </p:sp>
+    </p:spTree>
+    <p:extLst>
+      <p:ext uri="{BB962C8B-B14F-4D97-AF65-F5344CB8AC3E}">
+        <p14:creationId xmlns:p14="http://schemas.microsoft.com/office/powerpoint/2010/main" val="2589733751"/>
+      </p:ext>
+    </p:extLst>
+  </p:cSld>
+  <p:clrMapOvr>
+    <a:masterClrMapping/>
+  </p:clrMapOvr>
+</p:sld>
+</file>
+
+<file path=ppt/slides/slide7.xml><?xml version="1.0" encoding="utf-8"?>
+<p:sld xmlns:a="http://schemas.openxmlformats.org/drawingml/2006/main" xmlns:r="http://schemas.openxmlformats.org/officeDocument/2006/relationships" xmlns:p="http://schemas.openxmlformats.org/presentationml/2006/main">
+  <p:cSld>
+    <p:spTree>
+      <p:nvGrpSpPr>
+        <p:cNvPr id="1" name=""/>
+        <p:cNvGrpSpPr/>
+        <p:nvPr/>
+      </p:nvGrpSpPr>
+      <p:grpSpPr>
+        <a:xfrm>
+          <a:off x="0" y="0"/>
+          <a:ext cx="0" cy="0"/>
+          <a:chOff x="0" y="0"/>
+          <a:chExt cx="0" cy="0"/>
+        </a:xfrm>
+      </p:grpSpPr>
+      <p:sp>
+        <p:nvSpPr>
+          <p:cNvPr id="2" name="Titre 1"/>
+          <p:cNvSpPr>
+            <a:spLocks noGrp="1" noChangeArrowheads="1"/>
+            <a:extLst>
+              <a:ext uri="smNativeData">
+                <pr:smNativeData xmlns:pr="smNativeData" xmlns:p14="http://schemas.microsoft.com/office/powerpoint/2010/main" xmlns="" val="SMDATA_13_ec9PYBMAAAAlAAAAZAAAAE0AAAAAAAAAAAAAAAAAAAAAAAAAAAAAAAAAAAAAAAAAAAEAAABQAAAAAAAAAAAA4D8AAAAAAADgPwAAAAAAAOA/AAAAAAAA4D8AAAAAAADgPwAAAAAAAOA/AAAAAAAA4D8AAAAAAADgPwAAAAAAAOA/AAAAAAAA4D8CAAAAjAAAAAAAAAAAAAAAT4G9DP///wgAAAAAAAAAAAAAAAAAAAAAAAAAAAAAAAAAAAAAZAAAAAEAAABAAAAAAAAAAAAAAAAAAAAAAAAAAAAAAAAAAAAAAAAAAAAAAAAAAAAAAAAAAAAAAAAAAAAAAAAAAAAAAAAAAAAAAAAAAAAAAAAAAAAAAAAAAAAAAAAAAAAAFAAAADwAAAAAAAAAAAAAAAAAAAkUAAAAAQAAABQAAAAUAAAAFAAAAAEAAAAAAAAAZAAAAGQAAAAAAAAAZAAAAGQAAAAVAAAAYAAAAAAAAAAAAAAADwAAACADAAAAAAAAAAAAAAEAAACgMgAAVgcAAKr4//8BAAAAf39/AAEAAABkAAAAAAAAABQAAABAHwAAAAAAACYAAAAAAAAAwOD//wAAAAAmAAAAZAAAABYAAABMAAAAAAAAAAAAAAAEAAAAAAAAAAEAAADu7OEKAAAAACgAAAAoAAAAZAAAAGQAAAAAAAAAzMzMAAAAAABQAAAAUAAAAGQAAABkAAAAAAAAABcAAAAUAAAAAAAAAAAAAAD/fwAA/38AAAAAAAAJAAAABAAAABoEAAAMAAAAEAAAAAAAAAAAAAAAAAAAAAAAAAAeAAAAaAAAAAAAAAAAAAAAAAAAAAAAAAAAAAAAECcAABAnAAAAAAAAAAAAAAAAAAAAAAAAAAAAAAAAAAAAAAAAAAAAABQAAAAAAAAAwMD/AAAAAABkAAAAMgAAAAAAAABkAAAAAAAAAH9/fwAKAAAAHwAAAFQAAABPgb0F////AQAAAAAAAAAAAAAAAAAAAAAAAAAAAAAAAAAAAAAAAAAAAAAAAn9/fwDu7OEDzMzMAMDA/wB/f38AAAAAAAAAAAAAAAAAAAAAAAAAAAAhAAAAGAAAABQAAADIBQAAiQsAAHpIAACpDwAAACAAACYAAAAIAAAAAQAAAAAAAAA="/>
+              </a:ext>
+            </a:extLst>
+          </p:cNvSpPr>
+          <p:nvPr>
+            <p:ph type="title"/>
+          </p:nvPr>
+        </p:nvSpPr>
+        <p:spPr>
+          <a:xfrm>
+            <a:off x="939800" y="1875155"/>
+            <a:ext cx="10841990" cy="670560"/>
+          </a:xfrm>
+        </p:spPr>
+        <p:txBody>
+          <a:bodyPr/>
+          <a:lstStyle/>
+          <a:p>
+            <a:pPr>
+              <a:defRPr lang="en-gb"/>
+            </a:pPr>
+            <a:r>
+              <a:t>Related work</a:t>
+            </a:r>
+          </a:p>
+        </p:txBody>
+      </p:sp>
+      <p:sp>
+        <p:nvSpPr>
+          <p:cNvPr id="3" name="Espace réservé du texte 2"/>
+          <p:cNvSpPr>
+            <a:spLocks noGrp="1" noChangeArrowheads="1"/>
+            <a:extLst>
+              <a:ext uri="smNativeData">
+                <pr:smNativeData xmlns:pr="smNativeData" xmlns:p14="http://schemas.microsoft.com/office/powerpoint/2010/main" xmlns="" val="SMDATA_13_ec9PYBMAAAAlAAAAZAAAAE0AAAAAAAAAAAAAAAAAAAAAAAAAAAAAAAAAAAAAAAAAAAEAAABQAAAAAAAAAAAA4D8AAAAAAADgPwAAAAAAAOA/AAAAAAAA4D8AAAAAAADgPwAAAAAAAOA/AAAAAAAA4D8AAAAAAADgPwAAAAAAAOA/AAAAAAAA4D8CAAAAjAAAAAAAAAAAAAAAT4G9DP///wgAAAAAAAAAAAAAAAAAAAAAAAAAAAAAAAAAAAAAZAAAAAEAAABAAAAAAAAAAAAAAAAAAAAAAAAAAAAAAAAAAAAAAAAAAAAAAAAAAAAAAAAAAAAAAAAAAAAAAAAAAAAAAAAAAAAAAAAAAAAAAAAAAAAAAAAAAAAAAAAAAAAAFAAAADwAAAAAAAAAAAAAAAAAAAkUAAAAAQAAABQAAAAUAAAAFAAAAAEAAAAAAAAAZAAAAGQAAAAAAAAAZAAAAGQAAAAVAAAAYAAAAAAAAAAAAAAADwAAACADAAAAAAAAAAAAAAEAAACgMgAAVgcAAKr4//8BAAAAf39/AAEAAABkAAAAAAAAABQAAABAHwAAAAAAACYAAAAAAAAAwOD//wAAAAAmAAAAZAAAABYAAABMAAAAAAAAAAAAAAAEAAAAAAAAAAEAAADu7OEKAAAAACgAAAAoAAAAZAAAAGQAAAAAAAAAzMzMAAAAAABQAAAAUAAAAGQAAABkAAAAAAAAABcAAAAUAAAAAAAAAAAAAAD/fwAA/38AAAAAAAAJAAAABAAAAAAAAAAMAAAAEAAAAAAAAAAAAAAAAAAAAAAAAAAeAAAAaAAAAAAAAAAAAAAAAAAAAAAAAAAAAAAAECcAABAnAAAAAAAAAAAAAAAAAAAAAAAAAAAAAAAAAAAAAAAAAAAAABQAAAAAAAAAwMD/AAAAAABkAAAAMgAAAAAAAABkAAAAAAAAAH9/fwAKAAAAHwAAAFQAAABPgb0F////AQAAAAAAAAAAAAAAAAAAAAAAAAAAAAAAAAAAAAAAAAAAAAAAAn9/fwDu7OEDzMzMAMDA/wB/f38AAAAAAAAAAAAAAAAAAAAAAAAAAAAhAAAAGAAAABQAAADIBQAAwBIAAHpIAACYNwAAACAAACYAAAAIAAAAAYAAAAAAAAA="/>
+              </a:ext>
+            </a:extLst>
+          </p:cNvSpPr>
+          <p:nvPr>
+            <p:ph type="body" idx="1"/>
+          </p:nvPr>
+        </p:nvSpPr>
+        <p:spPr>
+          <a:xfrm>
+            <a:off x="939800" y="3048000"/>
+            <a:ext cx="10841990" cy="5989320"/>
+          </a:xfrm>
+        </p:spPr>
+        <p:txBody>
+          <a:bodyPr/>
+          <a:lstStyle>
+            <a:lvl1pPr marL="0" indent="360680" defTabSz="360045">
+              <a:lnSpc>
+                <a:spcPct val="150000"/>
+              </a:lnSpc>
+              <a:spcAft>
+                <a:spcPts val="600"/>
+              </a:spcAft>
+              <a:buClr>
+                <a:schemeClr val="accent1"/>
+              </a:buClr>
+              <a:buSzPts val="2910"/>
+              <a:buFont typeface="Wingdings" charset="0"/>
+              <a:buChar char="§"/>
+              <a:tabLst/>
+              <a:defRPr lang="de-de" sz="2800" b="0" i="0" baseline="0">
+                <a:solidFill>
+                  <a:srgbClr val="595959"/>
+                </a:solidFill>
+                <a:latin typeface="Calibri" pitchFamily="2" charset="0"/>
+                <a:ea typeface="Calibri" pitchFamily="2" charset="0"/>
+                <a:cs typeface="Calibri" pitchFamily="2" charset="0"/>
+              </a:defRPr>
+            </a:lvl1pPr>
+            <a:lvl2pPr marL="742950" indent="-285750">
+              <a:lnSpc>
+                <a:spcPct val="150000"/>
+              </a:lnSpc>
+              <a:buFont typeface="Arial" pitchFamily="2" charset="0"/>
+              <a:buChar char="•"/>
+              <a:defRPr lang="de-de" sz="2400" b="0" i="0" baseline="0">
+                <a:solidFill>
+                  <a:srgbClr val="595959"/>
+                </a:solidFill>
+                <a:latin typeface="Calibri" pitchFamily="2" charset="0"/>
+                <a:ea typeface="Calibri" pitchFamily="2" charset="0"/>
+                <a:cs typeface="Calibri" pitchFamily="2" charset="0"/>
+              </a:defRPr>
+            </a:lvl2pPr>
+            <a:lvl3pPr marL="1200150" indent="-285750">
+              <a:lnSpc>
+                <a:spcPct val="150000"/>
+              </a:lnSpc>
+              <a:buFont typeface="Wingdings" charset="0"/>
+              <a:buChar char="§"/>
+              <a:defRPr lang="de-de" sz="2000" b="0" i="0" baseline="0">
+                <a:solidFill>
+                  <a:srgbClr val="595959"/>
+                </a:solidFill>
+                <a:latin typeface="Calibri" pitchFamily="2" charset="0"/>
+                <a:ea typeface="Calibri" pitchFamily="2" charset="0"/>
+                <a:cs typeface="Calibri" pitchFamily="2" charset="0"/>
+              </a:defRPr>
+            </a:lvl3pPr>
+            <a:lvl4pPr>
+              <a:defRPr lang="de-de"/>
+            </a:lvl4pPr>
+            <a:lvl5pPr>
+              <a:defRPr lang="de-de"/>
+            </a:lvl5pPr>
+            <a:lvl6pPr>
+              <a:defRPr lang="de-de"/>
+            </a:lvl6pPr>
+            <a:lvl7pPr>
+              <a:defRPr lang="de-de"/>
+            </a:lvl7pPr>
+            <a:lvl8pPr>
+              <a:defRPr lang="de-de"/>
+            </a:lvl8pPr>
+            <a:lvl9pPr>
+              <a:defRPr lang="de-de"/>
+            </a:lvl9pPr>
+          </a:lstStyle>
+          <a:p>
+            <a:pPr>
+              <a:defRPr lang="de-de" b="0"/>
+            </a:pPr>
+            <a:r>
+              <a:t>Users have wearable privacy concerns [1], [2]</a:t>
+            </a:r>
+          </a:p>
+          <a:p>
+            <a:pPr lvl="1">
+              <a:defRPr lang="de-de" b="0"/>
+            </a:pPr>
+            <a:r>
+              <a:t>But also misunderstandings and false beliefs [8]</a:t>
+            </a:r>
+          </a:p>
+          <a:p>
+            <a:pPr lvl="1">
+              <a:buChar char="→"/>
+              <a:defRPr lang="de-de" b="0"/>
+            </a:pPr>
+            <a:r>
+              <a:t> Important to raise awareness</a:t>
+            </a:r>
+          </a:p>
+          <a:p>
+            <a:pPr>
+              <a:defRPr lang="de-de"/>
+            </a:pPr>
+            <a:r>
+              <a:rPr lang="en-gb"/>
+              <a:t>Various apps giving context-dependent feedback</a:t>
+            </a:r>
+          </a:p>
+          <a:p>
+            <a:pPr lvl="1">
+              <a:defRPr lang="en-gb"/>
+            </a:pPr>
+            <a:r>
+              <a:t>Haptic feedback for pedestrian navigation [3]</a:t>
+            </a:r>
+          </a:p>
+          <a:p>
+            <a:pPr lvl="1">
+              <a:defRPr lang="en-gb"/>
+            </a:pPr>
+            <a:r>
+              <a:t>Visual and haptic feedback to assist deaf people [4]</a:t>
+            </a:r>
+          </a:p>
+          <a:p>
+            <a:pPr lvl="1">
+              <a:defRPr lang="en-gb"/>
+            </a:pPr>
+            <a:r>
+              <a:t>Visual feedback to assist rescuers during CPR [5]</a:t>
+            </a:r>
+          </a:p>
+          <a:p>
+            <a:pPr>
+              <a:defRPr lang="en-gb"/>
+            </a:pPr>
+            <a:r>
+              <a:t>Both together?</a:t>
+            </a:r>
+          </a:p>
+          <a:p>
+            <a:pPr lvl="1">
+              <a:defRPr lang="en-gb"/>
+            </a:pPr>
+            <a:r>
+              <a:t>Study to question the impact of timing of privacy feedback on UX [7]</a:t>
+            </a:r>
+          </a:p>
+          <a:p>
+            <a:pPr lvl="1">
+              <a:defRPr lang="en-gb"/>
+            </a:pPr>
+            <a:r>
+              <a:t>Serious game to raise awareness [6]</a:t>
+            </a:r>
+          </a:p>
+        </p:txBody>
+      </p:sp>
+      <p:sp>
+        <p:nvSpPr>
+          <p:cNvPr id="4" name="Espace réservé de la date 4"/>
+          <p:cNvSpPr>
+            <a:spLocks noGrp="1" noChangeArrowheads="1"/>
+            <a:extLst>
+              <a:ext uri="smNativeData">
+                <pr:smNativeData xmlns:pr="smNativeData" xmlns:p14="http://schemas.microsoft.com/office/powerpoint/2010/main" xmlns="" val="SMDATA_13_ec9PYBMAAAAlAAAAZAAAAA0AAAAAAAAAAAAAAAAAAAAAAAAAAAAAAAAAAAAAAAAAAAEAAABQAAAAAAAAAAAA4D8AAAAAAADgPwAAAAAAAOA/AAAAAAAA4D8AAAAAAADgPwAAAAAAAOA/AAAAAAAA4D8AAAAAAADgPwAAAAAAAOA/AAAAAAAA4D8CAAAAjAAAAAAAAAAAAAAAT4G9DP///wgAAAAAAAAAAAAAAAAAAAAAAAAAAAAAAAAAAAAAZAAAAAEAAABAAAAAAAAAAAAAAAAAAAAAAAAAAAAAAAAAAAAAAAAAAAAAAAAAAAAAAAAAAAAAAAAAAAAAAAAAAAAAAAAAAAAAAAAAAAAAAAAAAAAAAAAAAAAAAAAAAAAAFAAAADwAAAAAAAAAAAAAAAAAAAkUAAAAAQAAABQAAAAUAAAAFAAAAAEAAAAAAAAAZAAAAGQAAAAAAAAAZAAAAGQAAAAVAAAAYAAAAAAAAAAAAAAADwAAACADAAAAAAAAAAAAAAEAAACgMgAAVgcAAKr4//8BAAAAf39/AAEAAABkAAAAAAAAABQAAABAHwAAAAAAACYAAAAAAAAAwOD//wAAAAAmAAAAZAAAABYAAABMAAAAAAAAAAAAAAAEAAAAAAAAAAEAAADu7OEKAAAAACgAAAAoAAAAZAAAAGQAAAAAAAAAzMzMAAAAAABQAAAAUAAAAGQAAABkAAAAAAAAABcAAAAUAAAAAAAAAAAAAAD/fwAA/38AAAAAAAAJAAAABAAAAHwBAAAMAAAAEAAAAAAAAAAAAAAAAAAAAAAAAAAeAAAAaAAAAAAAAAAAAAAAAAAAAAAAAAAAAAAAECcAABAnAAAAAAAAAAAAAAAAAAAAAAAAAAAAAAAAAAAAAAAAAAAAABQAAAAAAAAAwMD/AAAAAABkAAAAMgAAAAAAAABkAAAAAAAAAH9/fwAKAAAAHwAAAFQAAABPgb0F////AQAAAAAAAAAAAAAAAAAAAAAAAAAAAAAAAAAAAAAAAAAAAAAAAn9/fwDu7OEDzMzMAMDA/wB/f38AAAAAAAAAAAAAAAAAAAAAAAAAAAAhAAAAGAAAABQAAADqAQAA4DgAAPAKAACYOgAAEAAAACYAAAAIAAAAAQAAAAAAAAA="/>
+              </a:ext>
+            </a:extLst>
+          </p:cNvSpPr>
+          <p:nvPr>
+            <p:ph type="dt" sz="half" idx="2"/>
+          </p:nvPr>
+        </p:nvSpPr>
+        <p:spPr>
+          <a:xfrm>
+            <a:off x="311150" y="9245600"/>
+            <a:ext cx="1466850" cy="279400"/>
+          </a:xfrm>
+        </p:spPr>
+        <p:txBody>
+          <a:bodyPr/>
+          <a:lstStyle/>
+          <a:p>
+            <a:pPr>
+              <a:defRPr lang="de-de"/>
+            </a:pPr>
+            <a:r>
+              <a:t>26.03.2021</a:t>
+            </a:r>
+          </a:p>
+        </p:txBody>
+      </p:sp>
+      <p:sp>
+        <p:nvSpPr>
+          <p:cNvPr id="5" name="Espace réservé du numéro de diapositive 5"/>
+          <p:cNvSpPr>
+            <a:spLocks noGrp="1" noChangeArrowheads="1"/>
+            <a:extLst>
+              <a:ext uri="smNativeData">
+                <pr:smNativeData xmlns:pr="smNativeData" xmlns:p14="http://schemas.microsoft.com/office/powerpoint/2010/main" xmlns="" val="SMDATA_13_ec9PYBMAAAAlAAAAZAAAAA0AAAAAAAAAAAAAAAAAAAAAAAAAAAAAAAAAAAAAAAAAAAEAAABQAAAAAAAAAAAA4D8AAAAAAADgPwAAAAAAAOA/AAAAAAAA4D8AAAAAAADgPwAAAAAAAOA/AAAAAAAA4D8AAAAAAADgPwAAAAAAAOA/AAAAAAAA4D8CAAAAjAAAAAAAAAAAAAAAT4G9DP///wgAAAAAAAAAAAAAAAAAAAAAAAAAAAAAAAAAAAAAZAAAAAEAAABAAAAAAAAAAAAAAAAAAAAAAAAAAAAAAAAAAAAAAAAAAAAAAAAAAAAAAAAAAAAAAAAAAAAAAAAAAAAAAAAAAAAAAAAAAAAAAAAAAAAAAAAAAAAAAAAAAAAAFAAAADwAAAAAAAAAAAAAAAAAAAkUAAAAAQAAABQAAAAUAAAAFAAAAAEAAAAAAAAAZAAAAGQAAAAAAAAAZAAAAGQAAAAVAAAAYAAAAAAAAAAAAAAADwAAACADAAAAAAAAAAAAAAEAAACgMgAAVgcAAKr4//8BAAAAf39/AAEAAABkAAAAAAAAABQAAABAHwAAAAAAACYAAAAAAAAAwOD//wAAAAAmAAAAZAAAABYAAABMAAAAAAAAAAAAAAAEAAAAAAAAAAEAAADu7OEKAAAAACgAAAAoAAAAZAAAAGQAAAAAAAAAzMzMAAAAAABQAAAAUAAAAGQAAABkAAAAAAAAABcAAAAUAAAAAAAAAAAAAAD/fwAA/38AAAAAAAAJAAAABAAAAAAAAAAMAAAAEAAAAAAAAAAAAAAAAAAAAAAAAAAeAAAAaAAAAAAAAAAAAAAAAAAAAAAAAAAAAAAAECcAABAnAAAAAAAAAAAAAAAAAAAAAAAAAAAAAAAAAAAAAAAAAAAAABQAAAAAAAAAwMD/AAAAAABkAAAAMgAAAAAAAABkAAAAAAAAAH9/fwAKAAAAHwAAAFQAAABPgb0F////AQAAAAAAAAAAAAAAAAAAAAAAAAAAAAAAAAAAAAAAAAAAAAAAAn9/fwDu7OEDzMzMAMDA/wB/f38AAAAAAAAAAAAAAAAAAAAAAAAAAAAhAAAAGAAAABQAAADQSAAAGDkAABZOAACYOgAAEAAAACYAAAAIAAAAAAAAAAAAAAA="/>
+              </a:ext>
+            </a:extLst>
+          </p:cNvSpPr>
+          <p:nvPr>
+            <p:ph type="sldNum" sz="quarter" idx="4"/>
+          </p:nvPr>
+        </p:nvSpPr>
+        <p:spPr/>
+        <p:txBody>
+          <a:bodyPr/>
+          <a:lstStyle/>
+          <a:p>
+            <a:pPr>
+              <a:defRPr lang="de-de"/>
+            </a:pPr>
+            <a:fld id="{3DD8F165-2BD0-8D07-9E60-DD52BF2E6888}" type="slidenum">
+              <a:t>7</a:t>
+            </a:fld>
+            <a:endParaRPr/>
+          </a:p>
+        </p:txBody>
+      </p:sp>
+    </p:spTree>
+  </p:cSld>
+  <p:clrMapOvr>
+    <a:masterClrMapping/>
+  </p:clrMapOvr>
+</p:sld>
+</file>
+
+<file path=ppt/slides/slide8.xml><?xml version="1.0" encoding="utf-8"?>
+<p:sld xmlns:a="http://schemas.openxmlformats.org/drawingml/2006/main" xmlns:r="http://schemas.openxmlformats.org/officeDocument/2006/relationships" xmlns:p="http://schemas.openxmlformats.org/presentationml/2006/main">
+  <p:cSld>
+    <p:spTree>
+      <p:nvGrpSpPr>
+        <p:cNvPr id="1" name=""/>
+        <p:cNvGrpSpPr/>
+        <p:nvPr/>
+      </p:nvGrpSpPr>
+      <p:grpSpPr>
+        <a:xfrm>
+          <a:off x="0" y="0"/>
+          <a:ext cx="0" cy="0"/>
+          <a:chOff x="0" y="0"/>
+          <a:chExt cx="0" cy="0"/>
+        </a:xfrm>
+      </p:grpSpPr>
+      <p:sp>
+        <p:nvSpPr>
+          <p:cNvPr id="2" name="Titre 1"/>
+          <p:cNvSpPr>
+            <a:spLocks noGrp="1" noChangeArrowheads="1"/>
+            <a:extLst>
+              <a:ext uri="smNativeData">
+                <pr:smNativeData xmlns="" xmlns:p14="http://schemas.microsoft.com/office/powerpoint/2010/main" xmlns:pr="smNativeData" val="SMDATA_13_ec9PYBMAAAAlAAAAZAAAAE0AAAAAAAAAAAAAAAAAAAAAAAAAAAAAAAAAAAAAAAAAAAEAAABQAAAAAAAAAAAA4D8AAAAAAADgPwAAAAAAAOA/AAAAAAAA4D8AAAAAAADgPwAAAAAAAOA/AAAAAAAA4D8AAAAAAADgPwAAAAAAAOA/AAAAAAAA4D8CAAAAjAAAAAAAAAAAAAAAT4G9DP///wgAAAAAAAAAAAAAAAAAAAAAAAAAAAAAAAAAAAAAZAAAAAEAAABAAAAAAAAAAAAAAAAAAAAAAAAAAAAAAAAAAAAAAAAAAAAAAAAAAAAAAAAAAAAAAAAAAAAAAAAAAAAAAAAAAAAAAAAAAAAAAAAAAAAAAAAAAAAAAAAAAAAAFAAAADwAAAAAAAAAAAAAAAAAAAkUAAAAAQAAABQAAAAUAAAAFAAAAAEAAAAAAAAAZAAAAGQAAAAAAAAAZAAAAGQAAAAVAAAAYAAAAAAAAAAAAAAADwAAACADAAAAAAAAAAAAAAEAAACgMgAAVgcAAKr4//8BAAAAf39/AAEAAABkAAAAAAAAABQAAABAHwAAAAAAACYAAAAAAAAAwOD//wAAAAAmAAAAZAAAABYAAABMAAAAAAAAAAAAAAAEAAAAAAAAAAEAAADu7OEKAAAAACgAAAAoAAAAZAAAAGQAAAAAAAAAzMzMAAAAAABQAAAAUAAAAGQAAABkAAAAAAAAABcAAAAUAAAAAAAAAAAAAAD/fwAA/38AAAAAAAAJAAAABAAAAAAAAAAMAAAAEAAAAAAAAAAAAAAAAAAAAAAAAAAeAAAAaAAAAAAAAAAAAAAAAAAAAAAAAAAAAAAAECcAABAnAAAAAAAAAAAAAAAAAAAAAAAAAAAAAAAAAAAAAAAAAAAAABQAAAAAAAAAwMD/AAAAAABkAAAAMgAAAAAAAABkAAAAAAAAAH9/fwAKAAAAHwAAAFQAAABPgb0F////AQAAAAAAAAAAAAAAAAAAAAAAAAAAAAAAAAAAAAAAAAAAAAAAAn9/fwDu7OEDzMzMAMDA/wB/f38AAAAAAAAAAAAAAAAAAAAAAAAAAAAhAAAAGAAAABQAAADIBQAAiQsAAHpIAACpDwAAACAAACYAAAAIAAAAAQAAAAAAAAA="/>
+              </a:ext>
+            </a:extLst>
+          </p:cNvSpPr>
+          <p:nvPr>
+            <p:ph type="title"/>
+          </p:nvPr>
+        </p:nvSpPr>
+        <p:spPr>
+          <a:xfrm>
+            <a:off x="939800" y="1875155"/>
+            <a:ext cx="10841990" cy="670560"/>
+          </a:xfrm>
+        </p:spPr>
+        <p:txBody>
+          <a:bodyPr/>
+          <a:lstStyle/>
+          <a:p>
+            <a:pPr>
+              <a:defRPr lang="en-gb"/>
+            </a:pPr>
+            <a:r>
+              <a:rPr dirty="0"/>
+              <a:t>Approach </a:t>
+            </a:r>
+            <a:r>
+              <a:rPr lang="en-GB" dirty="0"/>
+              <a:t>–</a:t>
+            </a:r>
+            <a:r>
+              <a:rPr dirty="0"/>
+              <a:t> System requirements</a:t>
+            </a:r>
+          </a:p>
+        </p:txBody>
+      </p:sp>
+      <p:sp>
+        <p:nvSpPr>
+          <p:cNvPr id="3" name="Espace réservé du texte 2"/>
+          <p:cNvSpPr>
+            <a:spLocks noGrp="1" noChangeArrowheads="1"/>
+            <a:extLst>
+              <a:ext uri="smNativeData">
+                <pr:smNativeData xmlns="" xmlns:p14="http://schemas.microsoft.com/office/powerpoint/2010/main" xmlns:pr="smNativeData" val="SMDATA_13_ec9PYBMAAAAlAAAAZAAAAE0AAAAAAAAAAAAAAAAAAAAAAAAAAAAAAAAAAAAAAAAAAAEAAABQAAAAAAAAAAAA4D8AAAAAAADgPwAAAAAAAOA/AAAAAAAA4D8AAAAAAADgPwAAAAAAAOA/AAAAAAAA4D8AAAAAAADgPwAAAAAAAOA/AAAAAAAA4D8CAAAAjAAAAAAAAAAAAAAAT4G9DP///wgAAAAAAAAAAAAAAAAAAAAAAAAAAAAAAAAAAAAAZAAAAAEAAABAAAAAAAAAAAAAAAAAAAAAAAAAAAAAAAAAAAAAAAAAAAAAAAAAAAAAAAAAAAAAAAAAAAAAAAAAAAAAAAAAAAAAAAAAAAAAAAAAAAAAAAAAAAAAAAAAAAAAFAAAADwAAAAAAAAAAAAAAAAAAAkUAAAAAQAAABQAAAAUAAAAFAAAAAEAAAAAAAAAZAAAAGQAAAAAAAAAZAAAAGQAAAAVAAAAYAAAAAAAAAAAAAAADwAAACADAAAAAAAAAAAAAAEAAACgMgAAVgcAAKr4//8BAAAAf39/AAEAAABkAAAAAAAAABQAAABAHwAAAAAAACYAAAAAAAAAwOD//wAAAAAmAAAAZAAAABYAAABMAAAAAAAAAAAAAAAEAAAAAAAAAAEAAADu7OEKAAAAACgAAAAoAAAAZAAAAGQAAAAAAAAAzMzMAAAAAABQAAAAUAAAAGQAAABkAAAAAAAAABcAAAAUAAAAAAAAAAAAAAD/fwAA/38AAAAAAAAJAAAABAAAAL4FAAAMAAAAEAAAAAAAAAAAAAAAAAAAAAAAAAAeAAAAaAAAAAAAAAAAAAAAAAAAAAAAAAAAAAAAECcAABAnAAAAAAAAAAAAAAAAAAAAAAAAAAAAAAAAAAAAAAAAAAAAABQAAAAAAAAAwMD/AAAAAABkAAAAMgAAAAAAAABkAAAAAAAAAH9/fwAKAAAAHwAAAFQAAABPgb0F////AQAAAAAAAAAAAAAAAAAAAAAAAAAAAAAAAAAAAAAAAAAAAAAAAn9/fwDu7OEDzMzMAMDA/wB/f38AAAAAAAAAAAAAAAAAAAAAAAAAAAAhAAAAGAAAABQAAADIBQAAwBIAAHpIAACQGwAAACAAACYAAAAIAAAAAYAAAAAAAAA="/>
+              </a:ext>
+            </a:extLst>
+          </p:cNvSpPr>
+          <p:nvPr>
+            <p:ph type="body" idx="1"/>
+          </p:nvPr>
+        </p:nvSpPr>
+        <p:spPr>
+          <a:xfrm>
+            <a:off x="939800" y="3048000"/>
+            <a:ext cx="10841990" cy="1432560"/>
+          </a:xfrm>
+        </p:spPr>
+        <p:txBody>
+          <a:bodyPr/>
+          <a:lstStyle>
+            <a:lvl1pPr marL="0" indent="360680" defTabSz="360045">
+              <a:lnSpc>
+                <a:spcPct val="150000"/>
+              </a:lnSpc>
+              <a:spcAft>
+                <a:spcPts val="600"/>
+              </a:spcAft>
+              <a:buClr>
+                <a:schemeClr val="accent1"/>
+              </a:buClr>
+              <a:buSzPts val="2910"/>
+              <a:buFont typeface="Wingdings" charset="0"/>
+              <a:buChar char="§"/>
+              <a:tabLst/>
+              <a:defRPr lang="de-de" sz="2800" b="0" i="0" baseline="0">
+                <a:solidFill>
+                  <a:srgbClr val="595959"/>
+                </a:solidFill>
+                <a:latin typeface="Calibri" pitchFamily="2" charset="0"/>
+                <a:ea typeface="Calibri" pitchFamily="2" charset="0"/>
+                <a:cs typeface="Calibri" pitchFamily="2" charset="0"/>
+              </a:defRPr>
+            </a:lvl1pPr>
+            <a:lvl2pPr marL="742950" indent="-285750">
+              <a:lnSpc>
+                <a:spcPct val="150000"/>
+              </a:lnSpc>
+              <a:buFont typeface="Arial" pitchFamily="2" charset="0"/>
+              <a:buChar char="•"/>
+              <a:defRPr lang="de-de" sz="2400" b="0" i="0" baseline="0">
+                <a:solidFill>
+                  <a:srgbClr val="595959"/>
+                </a:solidFill>
+                <a:latin typeface="Calibri" pitchFamily="2" charset="0"/>
+                <a:ea typeface="Calibri" pitchFamily="2" charset="0"/>
+                <a:cs typeface="Calibri" pitchFamily="2" charset="0"/>
+              </a:defRPr>
+            </a:lvl2pPr>
+            <a:lvl3pPr marL="1200150" indent="-285750">
+              <a:lnSpc>
+                <a:spcPct val="150000"/>
+              </a:lnSpc>
+              <a:buFont typeface="Wingdings" charset="0"/>
+              <a:buChar char="§"/>
+              <a:defRPr lang="de-de" sz="2000" b="0" i="0" baseline="0">
+                <a:solidFill>
+                  <a:srgbClr val="595959"/>
+                </a:solidFill>
+                <a:latin typeface="Calibri" pitchFamily="2" charset="0"/>
+                <a:ea typeface="Calibri" pitchFamily="2" charset="0"/>
+                <a:cs typeface="Calibri" pitchFamily="2" charset="0"/>
+              </a:defRPr>
+            </a:lvl3pPr>
+            <a:lvl4pPr>
+              <a:defRPr lang="de-de"/>
+            </a:lvl4pPr>
+            <a:lvl5pPr>
+              <a:defRPr lang="de-de"/>
+            </a:lvl5pPr>
+            <a:lvl6pPr>
+              <a:defRPr lang="de-de"/>
+            </a:lvl6pPr>
+            <a:lvl7pPr>
+              <a:defRPr lang="de-de"/>
+            </a:lvl7pPr>
+            <a:lvl8pPr>
+              <a:defRPr lang="de-de"/>
+            </a:lvl8pPr>
+            <a:lvl9pPr>
+              <a:defRPr lang="de-de"/>
+            </a:lvl9pPr>
+          </a:lstStyle>
+          <a:p>
+            <a:pPr>
+              <a:defRPr lang="de-de" b="0"/>
+            </a:pPr>
+            <a:r>
+              <a:rPr dirty="0"/>
+              <a:t>System -&gt; Detect sensor accesses -&gt; Notify the user</a:t>
+            </a:r>
+          </a:p>
+          <a:p>
+            <a:pPr>
+              <a:defRPr lang="de-de" b="0"/>
+            </a:pPr>
+            <a:r>
+              <a:rPr lang="de-DE" dirty="0"/>
+              <a:t>User -&gt; Suspend the sensor usage</a:t>
+            </a:r>
+          </a:p>
+          <a:p>
+            <a:pPr>
+              <a:defRPr lang="de-de" b="0"/>
+            </a:pPr>
+            <a:r>
+              <a:rPr lang="de-DE" dirty="0"/>
+              <a:t>User Interface -&gt; Designed following the general principles</a:t>
+            </a:r>
+          </a:p>
+          <a:p>
+            <a:pPr>
+              <a:defRPr lang="de-de" b="0"/>
+            </a:pPr>
+            <a:r>
+              <a:rPr lang="de-DE" dirty="0"/>
+              <a:t>Feedbacks -&gt; adapted to the core settings of the device</a:t>
+            </a:r>
+          </a:p>
+          <a:p>
+            <a:pPr>
+              <a:defRPr lang="de-de" b="0"/>
+            </a:pPr>
+            <a:r>
+              <a:rPr lang="de-DE" dirty="0"/>
+              <a:t>Communication -&gt; minimal, fast and efficient</a:t>
+            </a:r>
+          </a:p>
+          <a:p>
+            <a:pPr>
+              <a:defRPr lang="de-de" b="0"/>
+            </a:pPr>
+            <a:r>
+              <a:rPr lang="de-DE" dirty="0"/>
+              <a:t>User -&gt; overal feels comfortable and full control over their privacy</a:t>
+            </a:r>
+          </a:p>
+          <a:p>
+            <a:pPr>
+              <a:defRPr lang="de-de" b="0"/>
+            </a:pPr>
+            <a:endParaRPr dirty="0"/>
+          </a:p>
+          <a:p>
+            <a:pPr>
+              <a:defRPr lang="de-de"/>
+            </a:pPr>
+            <a:endParaRPr lang="en-gb" dirty="0"/>
+          </a:p>
+        </p:txBody>
+      </p:sp>
+      <p:sp>
+        <p:nvSpPr>
+          <p:cNvPr id="4" name="Espace réservé de la date 4"/>
+          <p:cNvSpPr>
+            <a:spLocks noGrp="1" noChangeArrowheads="1"/>
+            <a:extLst>
+              <a:ext uri="smNativeData">
+                <pr:smNativeData xmlns="" xmlns:p14="http://schemas.microsoft.com/office/powerpoint/2010/main" xmlns:pr="smNativeData" val="SMDATA_13_ec9PYBMAAAAlAAAAZAAAAA0AAAAAAAAAAAAAAAAAAAAAAAAAAAAAAAAAAAAAAAAAAAEAAABQAAAAAAAAAAAA4D8AAAAAAADgPwAAAAAAAOA/AAAAAAAA4D8AAAAAAADgPwAAAAAAAOA/AAAAAAAA4D8AAAAAAADgPwAAAAAAAOA/AAAAAAAA4D8CAAAAjAAAAAAAAAAAAAAAT4G9DP///wgAAAAAAAAAAAAAAAAAAAAAAAAAAAAAAAAAAAAAZAAAAAEAAABAAAAAAAAAAAAAAAAAAAAAAAAAAAAAAAAAAAAAAAAAAAAAAAAAAAAAAAAAAAAAAAAAAAAAAAAAAAAAAAAAAAAAAAAAAAAAAAAAAAAAAAAAAAAAAAAAAAAAFAAAADwAAAAAAAAAAAAAAAAAAAkUAAAAAQAAABQAAAAUAAAAFAAAAAEAAAAAAAAAZAAAAGQAAAAAAAAAZAAAAGQAAAAVAAAAYAAAAAAAAAAAAAAADwAAACADAAAAAAAAAAAAAAEAAACgMgAAVgcAAKr4//8BAAAAf39/AAEAAABkAAAAAAAAABQAAABAHwAAAAAAACYAAAAAAAAAwOD//wAAAAAmAAAAZAAAABYAAABMAAAAAAAAAAAAAAAEAAAAAAAAAAEAAADu7OEKAAAAACgAAAAoAAAAZAAAAGQAAAAAAAAAzMzMAAAAAABQAAAAUAAAAGQAAABkAAAAAAAAABcAAAAUAAAAAAAAAAAAAAD/fwAA/38AAAAAAAAJAAAABAAAAGwAAAAMAAAAEAAAAAAAAAAAAAAAAAAAAAAAAAAeAAAAaAAAAAAAAAAAAAAAAAAAAAAAAAAAAAAAECcAABAnAAAAAAAAAAAAAAAAAAAAAAAAAAAAAAAAAAAAAAAAAAAAABQAAAAAAAAAwMD/AAAAAABkAAAAMgAAAAAAAABkAAAAAAAAAH9/fwAKAAAAHwAAAFQAAABPgb0F////AQAAAAAAAAAAAAAAAAAAAAAAAAAAAAAAAAAAAAAAAAAAAAAAAn9/fwDu7OEDzMzMAMDA/wB/f38AAAAAAAAAAAAAAAAAAAAAAAAAAAAhAAAAGAAAABQAAADqAQAA4DgAAPAKAACYOgAAEAAAACYAAAAIAAAAAQAAAAAAAAA="/>
+              </a:ext>
+            </a:extLst>
+          </p:cNvSpPr>
+          <p:nvPr>
+            <p:ph type="dt" sz="half" idx="2"/>
+          </p:nvPr>
+        </p:nvSpPr>
+        <p:spPr>
+          <a:xfrm>
+            <a:off x="311150" y="9245600"/>
+            <a:ext cx="1466850" cy="279400"/>
+          </a:xfrm>
+        </p:spPr>
+        <p:txBody>
+          <a:bodyPr/>
+          <a:lstStyle/>
+          <a:p>
+            <a:pPr>
+              <a:defRPr lang="de-de"/>
+            </a:pPr>
+            <a:r>
+              <a:t>26.03.2021</a:t>
+            </a:r>
+          </a:p>
+        </p:txBody>
+      </p:sp>
+      <p:sp>
+        <p:nvSpPr>
+          <p:cNvPr id="5" name="Espace réservé du numéro de diapositive 5"/>
+          <p:cNvSpPr>
+            <a:spLocks noGrp="1" noChangeArrowheads="1"/>
+            <a:extLst>
+              <a:ext uri="smNativeData">
+                <pr:smNativeData xmlns="" xmlns:p14="http://schemas.microsoft.com/office/powerpoint/2010/main" xmlns:pr="smNativeData" val="SMDATA_13_ec9PYBMAAAAlAAAAZAAAAA0AAAAAAAAAAAAAAAAAAAAAAAAAAAAAAAAAAAAAAAAAAAEAAABQAAAAAAAAAAAA4D8AAAAAAADgPwAAAAAAAOA/AAAAAAAA4D8AAAAAAADgPwAAAAAAAOA/AAAAAAAA4D8AAAAAAADgPwAAAAAAAOA/AAAAAAAA4D8CAAAAjAAAAAAAAAAAAAAAT4G9DP///wgAAAAAAAAAAAAAAAAAAAAAAAAAAAAAAAAAAAAAZAAAAAEAAABAAAAAAAAAAAAAAAAAAAAAAAAAAAAAAAAAAAAAAAAAAAAAAAAAAAAAAAAAAAAAAAAAAAAAAAAAAAAAAAAAAAAAAAAAAAAAAAAAAAAAAAAAAAAAAAAAAAAAFAAAADwAAAAAAAAAAAAAAAAAAAkUAAAAAQAAABQAAAAUAAAAFAAAAAEAAAAAAAAAZAAAAGQAAAAAAAAAZAAAAGQAAAAVAAAAYAAAAAAAAAAAAAAADwAAACADAAAAAAAAAAAAAAEAAACgMgAAVgcAAKr4//8BAAAAf39/AAEAAABkAAAAAAAAABQAAABAHwAAAAAAACYAAAAAAAAAwOD//wAAAAAmAAAAZAAAABYAAABMAAAAAAAAAAAAAAAEAAAAAAAAAAEAAADu7OEKAAAAACgAAAAoAAAAZAAAAGQAAAAAAAAAzMzMAAAAAABQAAAAUAAAAGQAAABkAAAAAAAAABcAAAAUAAAAAAAAAAAAAAD/fwAA/38AAAAAAAAJAAAABAAAAEgDAAAMAAAAEAAAAAAAAAAAAAAAAAAAAAAAAAAeAAAAaAAAAAAAAAAAAAAAAAAAAAAAAAAAAAAAECcAABAnAAAAAAAAAAAAAAAAAAAAAAAAAAAAAAAAAAAAAAAAAAAAABQAAAAAAAAAwMD/AAAAAABkAAAAMgAAAAAAAABkAAAAAAAAAH9/fwAKAAAAHwAAAFQAAABPgb0F////AQAAAAAAAAAAAAAAAAAAAAAAAAAAAAAAAAAAAAAAAAAAAAAAAn9/fwDu7OEDzMzMAMDA/wB/f38AAAAAAAAAAAAAAAAAAAAAAAAAAAAhAAAAGAAAABQAAADQSAAAGDkAABZOAACYOgAAEAAAACYAAAAIAAAAAAAAAAAAAAA="/>
+              </a:ext>
+            </a:extLst>
+          </p:cNvSpPr>
+          <p:nvPr>
+            <p:ph type="sldNum" sz="quarter" idx="4"/>
+          </p:nvPr>
+        </p:nvSpPr>
+        <p:spPr/>
+        <p:txBody>
+          <a:bodyPr/>
+          <a:lstStyle/>
+          <a:p>
+            <a:pPr>
+              <a:defRPr lang="de-de"/>
+            </a:pPr>
+            <a:fld id="{470D4CB7-F9AA-58BA-E4B5-0FEF02FB125A}" type="slidenum">
+              <a:t>8</a:t>
+            </a:fld>
+            <a:endParaRPr/>
+          </a:p>
+        </p:txBody>
+      </p:sp>
+    </p:spTree>
+    <p:extLst>
+      <p:ext uri="{BB962C8B-B14F-4D97-AF65-F5344CB8AC3E}">
+        <p14:creationId xmlns:p14="http://schemas.microsoft.com/office/powerpoint/2010/main" val="1175901785"/>
+      </p:ext>
+    </p:extLst>
+  </p:cSld>
+  <p:clrMapOvr>
+    <a:masterClrMapping/>
+  </p:clrMapOvr>
+</p:sld>
+</file>
+
+<file path=ppt/slides/slide9.xml><?xml version="1.0" encoding="utf-8"?>
+<p:sld xmlns:a="http://schemas.openxmlformats.org/drawingml/2006/main" xmlns:r="http://schemas.openxmlformats.org/officeDocument/2006/relationships" xmlns:p="http://schemas.openxmlformats.org/presentationml/2006/main">
+  <p:cSld>
+    <p:spTree>
+      <p:nvGrpSpPr>
+        <p:cNvPr id="1" name=""/>
+        <p:cNvGrpSpPr/>
+        <p:nvPr/>
+      </p:nvGrpSpPr>
+      <p:grpSpPr>
+        <a:xfrm>
+          <a:off x="0" y="0"/>
+          <a:ext cx="0" cy="0"/>
+          <a:chOff x="0" y="0"/>
+          <a:chExt cx="0" cy="0"/>
+        </a:xfrm>
+      </p:grpSpPr>
+      <p:sp>
+        <p:nvSpPr>
+          <p:cNvPr id="2" name="Titre 1"/>
+          <p:cNvSpPr>
+            <a:spLocks noGrp="1" noChangeArrowheads="1"/>
+            <a:extLst>
+              <a:ext uri="smNativeData">
+                <pr:smNativeData xmlns:pr="smNativeData" xmlns:p14="http://schemas.microsoft.com/office/powerpoint/2010/main" xmlns="" val="SMDATA_13_ec9PYBMAAAAlAAAAZAAAAE0AAAAAAAAAAAAAAAAAAAAAAAAAAAAAAAAAAAAAAAAAAAEAAABQAAAAAAAAAAAA4D8AAAAAAADgPwAAAAAAAOA/AAAAAAAA4D8AAAAAAADgPwAAAAAAAOA/AAAAAAAA4D8AAAAAAADgPwAAAAAAAOA/AAAAAAAA4D8CAAAAjAAAAAAAAAAAAAAAT4G9DP///wgAAAAAAAAAAAAAAAAAAAAAAAAAAAAAAAAAAAAAZAAAAAEAAABAAAAAAAAAAAAAAAAAAAAAAAAAAAAAAAAAAAAAAAAAAAAAAAAAAAAAAAAAAAAAAAAAAAAAAAAAAAAAAAAAAAAAAAAAAAAAAAAAAAAAAAAAAAAAAAAAAAAAFAAAADwAAAAAAAAAAAAAAAAAAAkUAAAAAQAAABQAAAAUAAAAFAAAAAEAAAAAAAAAZAAAAGQAAAAAAAAAZAAAAGQAAAAVAAAAYAAAAAAAAAAAAAAADwAAACADAAAAAAAAAAAAAAEAAACgMgAAVgcAAKr4//8BAAAAf39/AAEAAABkAAAAAAAAABQAAABAHwAAAAAAACYAAAAAAAAAwOD//wAAAAAmAAAAZAAAABYAAABMAAAAAAAAAAAAAAAEAAAAAAAAAAEAAADu7OEKAAAAACgAAAAoAAAAZAAAAGQAAAAAAAAAzMzMAAAAAABQAAAAUAAAAGQAAABkAAAAAAAAABcAAAAUAAAAAAAAAAAAAAD/fwAA/38AAAAAAAAJAAAABAAAAAAAAAAMAAAAEAAAAAAAAAAAAAAAAAAAAAAAAAAeAAAAaAAAAAAAAAAAAAAAAAAAAAAAAAAAAAAAECcAABAnAAAAAAAAAAAAAAAAAAAAAAAAAAAAAAAAAAAAAAAAAAAAABQAAAAAAAAAwMD/AAAAAABkAAAAMgAAAAAAAABkAAAAAAAAAH9/fwAKAAAAHwAAAFQAAABPgb0F////AQAAAAAAAAAAAAAAAAAAAAAAAAAAAAAAAAAAAAAAAAAAAAAAAn9/fwDu7OEDzMzMAMDA/wB/f38AAAAAAAAAAAAAAAAAAAAAAAAAAAAhAAAAGAAAABQAAADIBQAAiQsAAHpIAACpDwAAACAAACYAAAAIAAAAAQAAAAAAAAA="/>
+              </a:ext>
+            </a:extLst>
+          </p:cNvSpPr>
+          <p:nvPr>
+            <p:ph type="title"/>
+          </p:nvPr>
+        </p:nvSpPr>
+        <p:spPr>
+          <a:xfrm>
+            <a:off x="939800" y="1875155"/>
+            <a:ext cx="10841990" cy="670560"/>
+          </a:xfrm>
+        </p:spPr>
+        <p:txBody>
+          <a:bodyPr/>
+          <a:lstStyle/>
+          <a:p>
+            <a:pPr>
+              <a:defRPr lang="en-gb"/>
+            </a:pPr>
+            <a:r>
+              <a:rPr dirty="0"/>
+              <a:t>Approach </a:t>
+            </a:r>
+            <a:r>
+              <a:rPr lang="en-GB" dirty="0"/>
+              <a:t>–</a:t>
+            </a:r>
+            <a:r>
+              <a:rPr dirty="0"/>
+              <a:t> System Overview</a:t>
+            </a:r>
+          </a:p>
+        </p:txBody>
+      </p:sp>
+      <p:sp>
+        <p:nvSpPr>
+          <p:cNvPr id="3" name="Espace réservé du texte 2"/>
+          <p:cNvSpPr>
+            <a:spLocks noGrp="1" noChangeArrowheads="1"/>
+            <a:extLst>
+              <a:ext uri="smNativeData">
+                <pr:smNativeData xmlns:pr="smNativeData" xmlns:p14="http://schemas.microsoft.com/office/powerpoint/2010/main" xmlns="" val="SMDATA_13_ec9PYBMAAAAlAAAAZAAAAE0AAAAAAAAAAAAAAAAAAAAAAAAAAAAAAAAAAAAAAAAAAAEAAABQAAAAAAAAAAAA4D8AAAAAAADgPwAAAAAAAOA/AAAAAAAA4D8AAAAAAADgPwAAAAAAAOA/AAAAAAAA4D8AAAAAAADgPwAAAAAAAOA/AAAAAAAA4D8CAAAAjAAAAAAAAAAAAAAAT4G9DP///wgAAAAAAAAAAAAAAAAAAAAAAAAAAAAAAAAAAAAAZAAAAAEAAABAAAAAAAAAAAAAAAAAAAAAAAAAAAAAAAAAAAAAAAAAAAAAAAAAAAAAAAAAAAAAAAAAAAAAAAAAAAAAAAAAAAAAAAAAAAAAAAAAAAAAAAAAAAAAAAAAAAAAFAAAADwAAAAAAAAAAAAAAAAAAAkUAAAAAQAAABQAAAAUAAAAFAAAAAEAAAAAAAAAZAAAAGQAAAAAAAAAZAAAAGQAAAAVAAAAYAAAAAAAAAAAAAAADwAAACADAAAAAAAAAAAAAAEAAACgMgAAVgcAAKr4//8BAAAAf39/AAEAAABkAAAAAAAAABQAAABAHwAAAAAAACYAAAAAAAAAwOD//wAAAAAmAAAAZAAAABYAAABMAAAAAAAAAAAAAAAEAAAAAAAAAAEAAADu7OEKAAAAACgAAAAoAAAAZAAAAGQAAAAAAAAAzMzMAAAAAABQAAAAUAAAAGQAAABkAAAAAAAAABcAAAAUAAAAAAAAAAAAAAD/fwAA/38AAAAAAAAJAAAABAAAAL4FAAAMAAAAEAAAAAAAAAAAAAAAAAAAAAAAAAAeAAAAaAAAAAAAAAAAAAAAAAAAAAAAAAAAAAAAECcAABAnAAAAAAAAAAAAAAAAAAAAAAAAAAAAAAAAAAAAAAAAAAAAABQAAAAAAAAAwMD/AAAAAABkAAAAMgAAAAAAAABkAAAAAAAAAH9/fwAKAAAAHwAAAFQAAABPgb0F////AQAAAAAAAAAAAAAAAAAAAAAAAAAAAAAAAAAAAAAAAAAAAAAAAn9/fwDu7OEDzMzMAMDA/wB/f38AAAAAAAAAAAAAAAAAAAAAAAAAAAAhAAAAGAAAABQAAADIBQAAwBIAAHpIAACQGwAAACAAACYAAAAIAAAAAYAAAAAAAAA="/>
+              </a:ext>
+            </a:extLst>
+          </p:cNvSpPr>
+          <p:nvPr>
+            <p:ph type="body" idx="1"/>
+          </p:nvPr>
+        </p:nvSpPr>
+        <p:spPr>
+          <a:xfrm>
+            <a:off x="939800" y="3048000"/>
+            <a:ext cx="10841990" cy="1432560"/>
+          </a:xfrm>
+        </p:spPr>
+        <p:txBody>
+          <a:bodyPr/>
+          <a:lstStyle>
+            <a:lvl1pPr marL="0" indent="360680" defTabSz="360045">
+              <a:lnSpc>
+                <a:spcPct val="150000"/>
+              </a:lnSpc>
+              <a:spcAft>
+                <a:spcPts val="600"/>
+              </a:spcAft>
+              <a:buClr>
+                <a:schemeClr val="accent1"/>
+              </a:buClr>
+              <a:buSzPts val="2910"/>
+              <a:buFont typeface="Wingdings" charset="0"/>
+              <a:buChar char="§"/>
+              <a:tabLst/>
+              <a:defRPr lang="de-de" sz="2800" b="0" i="0" baseline="0">
+                <a:solidFill>
+                  <a:srgbClr val="595959"/>
+                </a:solidFill>
+                <a:latin typeface="Calibri" pitchFamily="2" charset="0"/>
+                <a:ea typeface="Calibri" pitchFamily="2" charset="0"/>
+                <a:cs typeface="Calibri" pitchFamily="2" charset="0"/>
+              </a:defRPr>
+            </a:lvl1pPr>
+            <a:lvl2pPr marL="742950" indent="-285750">
+              <a:lnSpc>
+                <a:spcPct val="150000"/>
+              </a:lnSpc>
+              <a:buFont typeface="Arial" pitchFamily="2" charset="0"/>
+              <a:buChar char="•"/>
+              <a:defRPr lang="de-de" sz="2400" b="0" i="0" baseline="0">
+                <a:solidFill>
+                  <a:srgbClr val="595959"/>
+                </a:solidFill>
+                <a:latin typeface="Calibri" pitchFamily="2" charset="0"/>
+                <a:ea typeface="Calibri" pitchFamily="2" charset="0"/>
+                <a:cs typeface="Calibri" pitchFamily="2" charset="0"/>
+              </a:defRPr>
+            </a:lvl2pPr>
+            <a:lvl3pPr marL="1200150" indent="-285750">
+              <a:lnSpc>
+                <a:spcPct val="150000"/>
+              </a:lnSpc>
+              <a:buFont typeface="Wingdings" charset="0"/>
+              <a:buChar char="§"/>
+              <a:defRPr lang="de-de" sz="2000" b="0" i="0" baseline="0">
+                <a:solidFill>
+                  <a:srgbClr val="595959"/>
+                </a:solidFill>
+                <a:latin typeface="Calibri" pitchFamily="2" charset="0"/>
+                <a:ea typeface="Calibri" pitchFamily="2" charset="0"/>
+                <a:cs typeface="Calibri" pitchFamily="2" charset="0"/>
+              </a:defRPr>
+            </a:lvl3pPr>
+            <a:lvl4pPr>
+              <a:defRPr lang="de-de"/>
+            </a:lvl4pPr>
+            <a:lvl5pPr>
+              <a:defRPr lang="de-de"/>
+            </a:lvl5pPr>
+            <a:lvl6pPr>
+              <a:defRPr lang="de-de"/>
+            </a:lvl6pPr>
+            <a:lvl7pPr>
+              <a:defRPr lang="de-de"/>
+            </a:lvl7pPr>
+            <a:lvl8pPr>
+              <a:defRPr lang="de-de"/>
+            </a:lvl8pPr>
+            <a:lvl9pPr>
+              <a:defRPr lang="de-de"/>
+            </a:lvl9pPr>
+          </a:lstStyle>
+          <a:p>
+            <a:pPr>
+              <a:defRPr lang="de-de" b="0"/>
+            </a:pPr>
+            <a:endParaRPr dirty="0"/>
+          </a:p>
+          <a:p>
+            <a:pPr>
+              <a:defRPr lang="de-de"/>
+            </a:pPr>
+            <a:endParaRPr lang="en-gb" dirty="0"/>
+          </a:p>
+        </p:txBody>
+      </p:sp>
+      <p:sp>
+        <p:nvSpPr>
+          <p:cNvPr id="4" name="Espace réservé de la date 4"/>
+          <p:cNvSpPr>
+            <a:spLocks noGrp="1" noChangeArrowheads="1"/>
+            <a:extLst>
+              <a:ext uri="smNativeData">
+                <pr:smNativeData xmlns:pr="smNativeData" xmlns:p14="http://schemas.microsoft.com/office/powerpoint/2010/main" xmlns="" val="SMDATA_13_ec9PYBMAAAAlAAAAZAAAAA0AAAAAAAAAAAAAAAAAAAAAAAAAAAAAAAAAAAAAAAAAAAEAAABQAAAAAAAAAAAA4D8AAAAAAADgPwAAAAAAAOA/AAAAAAAA4D8AAAAAAADgPwAAAAAAAOA/AAAAAAAA4D8AAAAAAADgPwAAAAAAAOA/AAAAAAAA4D8CAAAAjAAAAAAAAAAAAAAAT4G9DP///wgAAAAAAAAAAAAAAAAAAAAAAAAAAAAAAAAAAAAAZAAAAAEAAABAAAAAAAAAAAAAAAAAAAAAAAAAAAAAAAAAAAAAAAAAAAAAAAAAAAAAAAAAAAAAAAAAAAAAAAAAAAAAAAAAAAAAAAAAAAAAAAAAAAAAAAAAAAAAAAAAAAAAFAAAADwAAAAAAAAAAAAAAAAAAAkUAAAAAQAAABQAAAAUAAAAFAAAAAEAAAAAAAAAZAAAAGQAAAAAAAAAZAAAAGQAAAAVAAAAYAAAAAAAAAAAAAAADwAAACADAAAAAAAAAAAAAAEAAACgMgAAVgcAAKr4//8BAAAAf39/AAEAAABkAAAAAAAAABQAAABAHwAAAAAAACYAAAAAAAAAwOD//wAAAAAmAAAAZAAAABYAAABMAAAAAAAAAAAAAAAEAAAAAAAAAAEAAADu7OEKAAAAACgAAAAoAAAAZAAAAGQAAAAAAAAAzMzMAAAAAABQAAAAUAAAAGQAAABkAAAAAAAAABcAAAAUAAAAAAAAAAAAAAD/fwAA/38AAAAAAAAJAAAABAAAAGwAAAAMAAAAEAAAAAAAAAAAAAAAAAAAAAAAAAAeAAAAaAAAAAAAAAAAAAAAAAAAAAAAAAAAAAAAECcAABAnAAAAAAAAAAAAAAAAAAAAAAAAAAAAAAAAAAAAAAAAAAAAABQAAAAAAAAAwMD/AAAAAABkAAAAMgAAAAAAAABkAAAAAAAAAH9/fwAKAAAAHwAAAFQAAABPgb0F////AQAAAAAAAAAAAAAAAAAAAAAAAAAAAAAAAAAAAAAAAAAAAAAAAn9/fwDu7OEDzMzMAMDA/wB/f38AAAAAAAAAAAAAAAAAAAAAAAAAAAAhAAAAGAAAABQAAADqAQAA4DgAAPAKAACYOgAAEAAAACYAAAAIAAAAAQAAAAAAAAA="/>
+              </a:ext>
+            </a:extLst>
+          </p:cNvSpPr>
+          <p:nvPr>
+            <p:ph type="dt" sz="half" idx="2"/>
+          </p:nvPr>
+        </p:nvSpPr>
+        <p:spPr>
+          <a:xfrm>
+            <a:off x="311150" y="9245600"/>
+            <a:ext cx="1466850" cy="279400"/>
+          </a:xfrm>
+        </p:spPr>
+        <p:txBody>
+          <a:bodyPr/>
+          <a:lstStyle/>
+          <a:p>
+            <a:pPr>
+              <a:defRPr lang="de-de"/>
+            </a:pPr>
+            <a:r>
+              <a:t>26.03.2021</a:t>
+            </a:r>
+          </a:p>
+        </p:txBody>
+      </p:sp>
+      <p:sp>
+        <p:nvSpPr>
+          <p:cNvPr id="5" name="Espace réservé du numéro de diapositive 5"/>
+          <p:cNvSpPr>
+            <a:spLocks noGrp="1" noChangeArrowheads="1"/>
+            <a:extLst>
+              <a:ext uri="smNativeData">
+                <pr:smNativeData xmlns:pr="smNativeData" xmlns:p14="http://schemas.microsoft.com/office/powerpoint/2010/main" xmlns="" val="SMDATA_13_ec9PYBMAAAAlAAAAZAAAAA0AAAAAAAAAAAAAAAAAAAAAAAAAAAAAAAAAAAAAAAAAAAEAAABQAAAAAAAAAAAA4D8AAAAAAADgPwAAAAAAAOA/AAAAAAAA4D8AAAAAAADgPwAAAAAAAOA/AAAAAAAA4D8AAAAAAADgPwAAAAAAAOA/AAAAAAAA4D8CAAAAjAAAAAAAAAAAAAAAT4G9DP///wgAAAAAAAAAAAAAAAAAAAAAAAAAAAAAAAAAAAAAZAAAAAEAAABAAAAAAAAAAAAAAAAAAAAAAAAAAAAAAAAAAAAAAAAAAAAAAAAAAAAAAAAAAAAAAAAAAAAAAAAAAAAAAAAAAAAAAAAAAAAAAAAAAAAAAAAAAAAAAAAAAAAAFAAAADwAAAAAAAAAAAAAAAAAAAkUAAAAAQAAABQAAAAUAAAAFAAAAAEAAAAAAAAAZAAAAGQAAAAAAAAAZAAAAGQAAAAVAAAAYAAAAAAAAAAAAAAADwAAACADAAAAAAAAAAAAAAEAAACgMgAAVgcAAKr4//8BAAAAf39/AAEAAABkAAAAAAAAABQAAABAHwAAAAAAACYAAAAAAAAAwOD//wAAAAAmAAAAZAAAABYAAABMAAAAAAAAAAAAAAAEAAAAAAAAAAEAAADu7OEKAAAAACgAAAAoAAAAZAAAAGQAAAAAAAAAzMzMAAAAAABQAAAAUAAAAGQAAABkAAAAAAAAABcAAAAUAAAAAAAAAAAAAAD/fwAA/38AAAAAAAAJAAAABAAAAEgDAAAMAAAAEAAAAAAAAAAAAAAAAAAAAAAAAAAeAAAAaAAAAAAAAAAAAAAAAAAAAAAAAAAAAAAAECcAABAnAAAAAAAAAAAAAAAAAAAAAAAAAAAAAAAAAAAAAAAAAAAAABQAAAAAAAAAwMD/AAAAAABkAAAAMgAAAAAAAABkAAAAAAAAAH9/fwAKAAAAHwAAAFQAAABPgb0F////AQAAAAAAAAAAAAAAAAAAAAAAAAAAAAAAAAAAAAAAAAAAAAAAAn9/fwDu7OEDzMzMAMDA/wB/f38AAAAAAAAAAAAAAAAAAAAAAAAAAAAhAAAAGAAAABQAAADQSAAAGDkAABZOAACYOgAAEAAAACYAAAAIAAAAAAAAAAAAAAA="/>
+              </a:ext>
+            </a:extLst>
+          </p:cNvSpPr>
+          <p:nvPr>
+            <p:ph type="sldNum" sz="quarter" idx="4"/>
+          </p:nvPr>
+        </p:nvSpPr>
+        <p:spPr/>
+        <p:txBody>
+          <a:bodyPr/>
+          <a:lstStyle/>
+          <a:p>
+            <a:pPr>
+              <a:defRPr lang="de-de"/>
+            </a:pPr>
+            <a:fld id="{470D4CB7-F9AA-58BA-E4B5-0FEF02FB125A}" type="slidenum">
+              <a:t>9</a:t>
+            </a:fld>
+            <a:endParaRPr/>
+          </a:p>
+        </p:txBody>
+      </p:sp>
+      <p:pic>
+        <p:nvPicPr>
+          <p:cNvPr id="9" name="Picture 8">
+            <a:extLst>
+              <a:ext uri="{FF2B5EF4-FFF2-40B4-BE49-F238E27FC236}">
+                <a16:creationId xmlns:a16="http://schemas.microsoft.com/office/drawing/2014/main" id="{CF0E311A-6ADD-4966-B3C5-29A078ABA39C}"/>
+              </a:ext>
+            </a:extLst>
+          </p:cNvPr>
+          <p:cNvPicPr>
+            <a:picLocks noChangeAspect="1"/>
+          </p:cNvPicPr>
+          <p:nvPr/>
+        </p:nvPicPr>
+        <p:blipFill>
+          <a:blip r:embed="rId2">
+            <a:extLst>
+              <a:ext uri="{28A0092B-C50C-407E-A947-70E740481C1C}">
+                <a14:useLocalDpi xmlns:a14="http://schemas.microsoft.com/office/drawing/2010/main" val="0"/>
+              </a:ext>
+            </a:extLst>
+          </a:blip>
+          <a:stretch>
+            <a:fillRect/>
+          </a:stretch>
+        </p:blipFill>
+        <p:spPr>
+          <a:xfrm>
+            <a:off x="340653" y="2867660"/>
+            <a:ext cx="12189167" cy="5726113"/>
+          </a:xfrm>
+          <a:prstGeom prst="rect">
+            <a:avLst/>
+          </a:prstGeom>
+        </p:spPr>
+      </p:pic>
+    </p:spTree>
+  </p:cSld>
+  <p:clrMapOvr>
+    <a:masterClrMapping/>
+  </p:clrMapOvr>
 </p:sld>
 </file>
 

--- a/Presentation/Presentation.pptx
+++ b/Presentation/Presentation.pptx
@@ -1,34 +1,34 @@
 
 <file path=ppt/presentation.xml><?xml version="1.0" encoding="utf-8"?>
-<p:presentation xmlns:a="http://schemas.openxmlformats.org/drawingml/2006/main" xmlns:r="http://schemas.openxmlformats.org/officeDocument/2006/relationships" xmlns:p="http://schemas.openxmlformats.org/presentationml/2006/main" showSpecialPlsOnTitleSld="0">
+<p:presentation xmlns:p="http://schemas.openxmlformats.org/presentationml/2006/main" xmlns:p14="http://schemas.microsoft.com/office/powerpoint/2010/main" xmlns:r="http://schemas.openxmlformats.org/officeDocument/2006/relationships" xmlns:a="http://schemas.openxmlformats.org/drawingml/2006/main" showSpecialPlsOnTitleSld="0">
   <p:sldMasterIdLst>
-    <p:sldMasterId id="2147483648" r:id="rId1"/>
+    <p:sldMasterId id="2147483648" r:id="rId5"/>
   </p:sldMasterIdLst>
   <p:notesMasterIdLst>
-    <p:notesMasterId r:id="rId20"/>
+    <p:notesMasterId r:id="rId6"/>
   </p:notesMasterIdLst>
   <p:handoutMasterIdLst>
-    <p:handoutMasterId r:id="rId21"/>
+    <p:handoutMasterId r:id="rId7"/>
   </p:handoutMasterIdLst>
   <p:sldIdLst>
-    <p:sldId id="276" r:id="rId2"/>
-    <p:sldId id="262" r:id="rId3"/>
-    <p:sldId id="301" r:id="rId4"/>
-    <p:sldId id="300" r:id="rId5"/>
-    <p:sldId id="293" r:id="rId6"/>
-    <p:sldId id="299" r:id="rId7"/>
-    <p:sldId id="292" r:id="rId8"/>
-    <p:sldId id="302" r:id="rId9"/>
-    <p:sldId id="291" r:id="rId10"/>
-    <p:sldId id="294" r:id="rId11"/>
-    <p:sldId id="295" r:id="rId12"/>
-    <p:sldId id="296" r:id="rId13"/>
-    <p:sldId id="297" r:id="rId14"/>
-    <p:sldId id="289" r:id="rId15"/>
-    <p:sldId id="290" r:id="rId16"/>
-    <p:sldId id="284" r:id="rId17"/>
-    <p:sldId id="287" r:id="rId18"/>
-    <p:sldId id="288" r:id="rId19"/>
+    <p:sldId id="276" r:id="rId8"/>
+    <p:sldId id="262" r:id="rId9"/>
+    <p:sldId id="301" r:id="rId10"/>
+    <p:sldId id="300" r:id="rId11"/>
+    <p:sldId id="293" r:id="rId12"/>
+    <p:sldId id="299" r:id="rId13"/>
+    <p:sldId id="292" r:id="rId14"/>
+    <p:sldId id="302" r:id="rId15"/>
+    <p:sldId id="291" r:id="rId16"/>
+    <p:sldId id="294" r:id="rId17"/>
+    <p:sldId id="295" r:id="rId18"/>
+    <p:sldId id="296" r:id="rId19"/>
+    <p:sldId id="297" r:id="rId20"/>
+    <p:sldId id="289" r:id="rId21"/>
+    <p:sldId id="290" r:id="rId22"/>
+    <p:sldId id="284" r:id="rId23"/>
+    <p:sldId id="287" r:id="rId24"/>
+    <p:sldId id="288" r:id="rId25"/>
   </p:sldIdLst>
   <p:sldSz cx="13004800" cy="9753600"/>
   <p:notesSz cx="13004800" cy="9753600"/>
@@ -232,30 +232,11 @@
       </a:defRPr>
     </a:lvl9pPr>
   </p:defaultTextStyle>
-  <p:extLst>
-    <p:ext uri="{EFAFB233-063F-42B5-8137-9DF3F51BA10A}">
-      <p15:sldGuideLst xmlns:p15="http://schemas.microsoft.com/office/powerpoint/2012/main">
-        <p15:guide id="1" orient="horz" pos="288">
-          <p15:clr>
-            <a:srgbClr val="A4A3A4"/>
-          </p15:clr>
-        </p15:guide>
-        <p15:guide id="2" pos="736">
-          <p15:clr>
-            <a:srgbClr val="A4A3A4"/>
-          </p15:clr>
-        </p15:guide>
-      </p15:sldGuideLst>
-    </p:ext>
-    <p:ext uri="{2D200454-40CA-4A62-9FC3-DE9A4176ACB9}">
-      <p15:notesGuideLst xmlns:p15="http://schemas.microsoft.com/office/powerpoint/2012/main"/>
-    </p:ext>
-  </p:extLst>
 </p:presentation>
 </file>
 
 <file path=ppt/handoutMasters/handoutMaster1.xml><?xml version="1.0" encoding="utf-8"?>
-<p:handoutMaster xmlns:a="http://schemas.openxmlformats.org/drawingml/2006/main" xmlns:r="http://schemas.openxmlformats.org/officeDocument/2006/relationships" xmlns:p="http://schemas.openxmlformats.org/presentationml/2006/main">
+<p:handoutMaster xmlns:p="http://schemas.openxmlformats.org/presentationml/2006/main" xmlns:p14="http://schemas.microsoft.com/office/powerpoint/2010/main" xmlns:r="http://schemas.openxmlformats.org/officeDocument/2006/relationships" xmlns:a="http://schemas.openxmlformats.org/drawingml/2006/main">
   <p:cSld>
     <p:bg>
       <p:bgPr>
@@ -286,7 +267,7 @@
             <a:spLocks noGrp="1" noChangeArrowheads="1"/>
             <a:extLst>
               <a:ext uri="smNativeData">
-                <pr:smNativeData xmlns:pr="smNativeData" xmlns:p14="http://schemas.microsoft.com/office/powerpoint/2010/main" xmlns="" val="SMDATA_13_ec9PYBMAAAAlAAAAZAAAAA0AAAAAkAAAAEgAAACQAAAASAAAAAAAAAAAAAAAAAAAAAEAAABQAAAAAAAAAAAA4D8AAAAAAADgPwAAAAAAAOA/AAAAAAAA4D8AAAAAAADgPwAAAAAAAOA/AAAAAAAA4D8AAAAAAADgPwAAAAAAAOA/AAAAAAAA4D8CAAAAjAAAAAAAAAAAAAAA////AP///wgAAAAAAAAAAAAAAAAAAAAAAAAAAAAAAAAAAAAAeAAAAAEAAABAAAAAAAAAAAAAAABaAAAAAAAAAAAAAAAAAAAAAAAAAAAAAAAAAAAAAAAAAAAAAAAAAAAAAAAAAAAAAAAAAAAAAAAAAAAAAAAAAAAAAAAAAAAAAAAAAAAAFAAAADwAAAAAAAAAAAAAAAAAAAAPAAAAAQAAACMAAAAjAAAAIwAAAB4AAAAAAAAAZAAAAGQAAAAAAAAAZAAAAGQAAAAVAAAAYAAAAAAAAAAAAAAADwAAACADAAAAAAAAAAAAAAEAAACgMgAAVgcAAKr4//8BAAAAf39/AAEAAABkAAAAAAAAABQAAABAHwAAAAAAACYAAAAAAAAAwOD//wAAAAAmAAAAZAAAABYAAABMAAAAAAAAAAAAAAAEAAAAAAAAAAEAAADu7OEKAAAAACgAAAAoAAAAZAAAAGQAAAAAAAAAzMzMAAAAAABQAAAAUAAAAGQAAABkAAAAAAAAABcAAAAUAAAAAAAAAAAAAAD/fwAA/38AAAAAAAAJAAAABAAAAAAAAAAMAAAAEAAAAAAAAAAAAAAAAAAAAAAAAAAeAAAAaAAAAAAAAAAAAAAAAAAAAAAAAAAAAAAAECcAABAnAAAAAAAAAAAAAAAAAAAAAAAAAAAAAAAAAAAAAAAAAAAAABQAAAAAAAAAwMD/AAAAAABkAAAAMgAAAAAAAABkAAAAAAAAAH9/fwAKAAAAHwAAAFQAAAD///8AAAAAAQAAAAAAAAAAAAAAAAAAAAAAAAAAAAAAAAAAAAAAAAAAAAAAAH9/fwAAAAADzMzMAMDA/wB/f38AAAAAAAAAAAAAAAAAAAAAAAAAAAAhAAAAGAAAABQAAAAAAAAAAAAAAKsiAAAAAwAAEAAAACYAAAAIAAAAP48AAAAAAAA="/>
+                <pr:smNativeData xmlns:pr="smNativeData" val="SMDATA_13_eIVQYBMAAAAlAAAAZAAAAA0AAAAAkAAAAEgAAACQAAAASAAAAAAAAAAAAAAAAAAAAAEAAABQAAAAAAAAAAAA4D8AAAAAAADgPwAAAAAAAOA/AAAAAAAA4D8AAAAAAADgPwAAAAAAAOA/AAAAAAAA4D8AAAAAAADgPwAAAAAAAOA/AAAAAAAA4D8CAAAAjAAAAAAAAAAAAAAA////AP///wgAAAAAAAAAAAAAAAAAAAAAAAAAAAAAAAAAAAAAeAAAAAEAAABAAAAAAAAAAAAAAABaAAAAAAAAAAAAAAAAAAAAAAAAAAAAAAAAAAAAAAAAAAAAAAAAAAAAAAAAAAAAAAAAAAAAAAAAAAAAAAAAAAAAAAAAAAAAAAAAAAAAFAAAADwAAAAAAAAAAAAAAAAAAAAPAAAAAQAAACMAAAAjAAAAIwAAAB4AAAAAAAAAZAAAAGQAAAAAAAAAZAAAAGQAAAAVAAAAYAAAAAAAAAAAAAAADwAAACADAAAAAAAAAAAAAAEAAACgMgAAVgcAAKr4//8BAAAAf39/AAEAAABkAAAAAAAAABQAAABAHwAAAAAAACYAAAAAAAAAwOD//wAAAAAmAAAAZAAAABYAAABMAAAAAAAAAAAAAAAEAAAAAAAAAAEAAADu7OEKAAAAACgAAAAoAAAAZAAAAGQAAAAAAAAAzMzMAAAAAABQAAAAUAAAAGQAAABkAAAAAAAAABcAAAAUAAAAAAAAAAAAAAD/fwAA/38AAAAAAAAJAAAABAAAAEEAQQAMAAAAEAAAAAAAAAAAAAAAAAAAAAAAAAAeAAAAaAAAAAAAAAAAAAAAAAAAAAAAAAAAAAAAECcAABAnAAAAAAAAAAAAAAAAAAAAAAAAAAAAAAAAAAAAAAAAAAAAABQAAAAAAAAAwMD/AAAAAABkAAAAMgAAAAAAAABkAAAAAAAAAH9/fwAKAAAAHwAAAFQAAAD///8AAAAAAQAAAAAAAAAAAAAAAAAAAAAAAAAAAAAAAAAAAAAAAAAAAAAAAH9/fwAAAAADzMzMAMDA/wB/f38AAAAAAAAAAAAAAAAAAAAAAAAAAAAhAAAAGAAAABQAAAAAAAAAAAAAAKsiAAAAAwAAEAAAACYAAAAIAAAAv58AAAAAAAA="/>
               </a:ext>
             </a:extLst>
           </p:cNvSpPr>
@@ -342,7 +323,6 @@
             <a:pPr>
               <a:defRPr lang="de-de"/>
             </a:pPr>
-            <a:endParaRPr/>
           </a:p>
         </p:txBody>
       </p:sp>
@@ -353,7 +333,7 @@
             <a:spLocks noGrp="1" noChangeArrowheads="1"/>
             <a:extLst>
               <a:ext uri="smNativeData">
-                <pr:smNativeData xmlns:pr="smNativeData" xmlns:p14="http://schemas.microsoft.com/office/powerpoint/2010/main" xmlns="" val="SMDATA_13_ec9PYBMAAAAlAAAAZAAAAA0AAAAAkAAAAEgAAACQAAAASAAAAAAAAAAAAAAAAAAAAAEAAABQAAAAAAAAAAAA4D8AAAAAAADgPwAAAAAAAOA/AAAAAAAA4D8AAAAAAADgPwAAAAAAAOA/AAAAAAAA4D8AAAAAAADgPwAAAAAAAOA/AAAAAAAA4D8CAAAAjAAAAAAAAAAAAAAA////AP///wgAAAAAAAAAAAAAAAAAAAAAAAAAAAAAAAAAAAAAeAAAAAEAAABAAAAAAAAAAAAAAABaAAAAAAAAAAAAAAAAAAAAAAAAAAAAAAAAAAAAAAAAAAAAAAAAAAAAAAAAAAAAAAAAAAAAAAAAAAAAAAAAAAAAAAAAAAAAAAAAAAAAFAAAADwAAAAAAAAAAAAAAAAAAAAPAAAAAQAAACMAAAAjAAAAIwAAAB4AAAAAAAAAZAAAAGQAAAAAAAAAZAAAAGQAAAAVAAAAYAAAAAAAAAAAAAAADwAAACADAAAAAAAAAAAAAAEAAACgMgAAVgcAAKr4//8BAAAAf39/AAEAAABkAAAAAAAAABQAAABAHwAAAAAAACYAAAAAAAAAwOD//wAAAAAmAAAAZAAAABYAAABMAAAAAAAAAAAAAAAEAAAAAAAAAAEAAADu7OEKAAAAACgAAAAoAAAAZAAAAGQAAAAAAAAAzMzMAAAAAABQAAAAUAAAAGQAAABkAAAAAAAAABcAAAAUAAAAAAAAAAAAAAD/fwAA/38AAAAAAAAJAAAABAAAAAAAAAAMAAAAEAAAAAAAAAAAAAAAAAAAAAAAAAAeAAAAaAAAAAAAAAAAAAAAAAAAAAAAAAAAAAAAECcAABAnAAAAAAAAAAAAAAAAAAAAAAAAAAAAAAAAAAAAAAAAAAAAABQAAAAAAAAAwMD/AAAAAABkAAAAMgAAAAAAAABkAAAAAAAAAH9/fwAKAAAAHwAAAFQAAAD///8AAAAAAQAAAAAAAAAAAAAAAAAAAAAAAAAAAAAAAAAAAAAAAAAAAAAAAH9/fwAAAAADzMzMAMDA/wB/f38AAAAAAAAAAAAAAAAAAAAAAAAAAAAhAAAAGAAAABQAAABQLQAAAAAAAPtPAAAAAwAAEAAAACYAAAAIAAAAP48AAAAAAAA="/>
+                <pr:smNativeData xmlns:pr="smNativeData" val="SMDATA_13_eIVQYBMAAAAlAAAAZAAAAA0AAAAAkAAAAEgAAACQAAAASAAAAAAAAAAAAAAAAAAAAAEAAABQAAAAAAAAAAAA4D8AAAAAAADgPwAAAAAAAOA/AAAAAAAA4D8AAAAAAADgPwAAAAAAAOA/AAAAAAAA4D8AAAAAAADgPwAAAAAAAOA/AAAAAAAA4D8CAAAAjAAAAAAAAAAAAAAA////AP///wgAAAAAAAAAAAAAAAAAAAAAAAAAAAAAAAAAAAAAeAAAAAEAAABAAAAAAAAAAAAAAABaAAAAAAAAAAAAAAAAAAAAAAAAAAAAAAAAAAAAAAAAAAAAAAAAAAAAAAAAAAAAAAAAAAAAAAAAAAAAAAAAAAAAAAAAAAAAAAAAAAAAFAAAADwAAAAAAAAAAAAAAAAAAAAPAAAAAQAAACMAAAAjAAAAIwAAAB4AAAAAAAAAZAAAAGQAAAAAAAAAZAAAAGQAAAAVAAAAYAAAAAAAAAAAAAAADwAAACADAAAAAAAAAAAAAAEAAACgMgAAVgcAAKr4//8BAAAAf39/AAEAAABkAAAAAAAAABQAAABAHwAAAAAAACYAAAAAAAAAwOD//wAAAAAmAAAAZAAAABYAAABMAAAAAAAAAAAAAAAEAAAAAAAAAAEAAADu7OEKAAAAACgAAAAoAAAAZAAAAGQAAAAAAAAAzMzMAAAAAABQAAAAUAAAAGQAAABkAAAAAAAAABcAAAAUAAAAAAAAAAAAAAD/fwAA/38AAAAAAAAJAAAABAAAAEEAQQAMAAAAEAAAAAAAAAAAAAAAAAAAAAAAAAAeAAAAaAAAAAAAAAAAAAAAAAAAAAAAAAAAAAAAECcAABAnAAAAAAAAAAAAAAAAAAAAAAAAAAAAAAAAAAAAAAAAAAAAABQAAAAAAAAAwMD/AAAAAABkAAAAMgAAAAAAAABkAAAAAAAAAH9/fwAKAAAAHwAAAFQAAAD///8AAAAAAQAAAAAAAAAAAAAAAAAAAAAAAAAAAAAAAAAAAAAAAAAAAAAAAH9/fwAAAAADzMzMAMDA/wB/f38AAAAAAAAAAAAAAAAAAAAAAAAAAAAhAAAAGAAAABQAAABQLQAAAAAAAPtPAAAAAwAAEAAAACYAAAAIAAAAv58AAAAAAAA="/>
               </a:ext>
             </a:extLst>
           </p:cNvSpPr>
@@ -409,10 +389,9 @@
             <a:pPr>
               <a:defRPr lang="de-de"/>
             </a:pPr>
-            <a:fld id="{3D3482BE-F0D0-6174-9E8C-0621CCC26853}" type="datetime1">
+            <a:fld id="{7A685D26-6897-3DAB-D9D0-9EFE139E2FCB}" type="datetime1">
               <a:t>3/16/2021</a:t>
             </a:fld>
-            <a:endParaRPr/>
           </a:p>
         </p:txBody>
       </p:sp>
@@ -423,7 +402,7 @@
             <a:spLocks noGrp="1" noChangeArrowheads="1"/>
             <a:extLst>
               <a:ext uri="smNativeData">
-                <pr:smNativeData xmlns:pr="smNativeData" xmlns:p14="http://schemas.microsoft.com/office/powerpoint/2010/main" xmlns="" val="SMDATA_13_ec9PYBMAAAAlAAAAZAAAAA0AAAAAkAAAAEgAAACQAAAASAAAAAAAAAACAAAAAAAAAAEAAABQAAAAAAAAAAAA4D8AAAAAAADgPwAAAAAAAOA/AAAAAAAA4D8AAAAAAADgPwAAAAAAAOA/AAAAAAAA4D8AAAAAAADgPwAAAAAAAOA/AAAAAAAA4D8CAAAAjAAAAAAAAAAAAAAA////AP///wgAAAAAAAAAAAAAAAAAAAAAAAAAAAAAAAAAAAAAeAAAAAEAAABAAAAAAAAAAAAAAABaAAAAAAAAAAAAAAAAAAAAAAAAAAAAAAAAAAAAAAAAAAAAAAAAAAAAAAAAAAAAAAAAAAAAAAAAAAAAAAAAAAAAAAAAAAAAAAAAAAAAFAAAADwAAAAAAAAAAAAAAAAAAAAPAAAAAQAAACMAAAAjAAAAIwAAAB4AAAAAAAAAZAAAAGQAAAAAAAAAZAAAAGQAAAAVAAAAYAAAAAAAAAAAAAAADwAAACADAAAAAAAAAAAAAAEAAACgMgAAVgcAAKr4//8BAAAAf39/AAEAAABkAAAAAAAAABQAAABAHwAAAAAAACYAAAAAAAAAwOD//wAAAAAmAAAAZAAAABYAAABMAAAAAAAAAAAAAAAEAAAAAAAAAAEAAADu7OEKAAAAACgAAAAoAAAAZAAAAGQAAAAAAAAAzMzMAAAAAABQAAAAUAAAAGQAAABkAAAAAAAAABcAAAAUAAAAAAAAAAAAAAD/fwAA/38AAAAAAAAJAAAABAAAAAAAAAAMAAAAEAAAAAAAAAAAAAAAAAAAAAAAAAAeAAAAaAAAAAAAAAAAAAAAAAAAAAAAAAAAAAAAECcAABAnAAAAAAAAAAAAAAAAAAAAAAAAAAAAAAAAAAAAAAAAAAAAABQAAAAAAAAAwMD/AAAAAABkAAAAMgAAAAAAAABkAAAAAAAAAH9/fwAKAAAAHwAAAFQAAAD///8AAAAAAQAAAAAAAAAAAAAAAAAAAAAAAAAAAAAAAAAAAAAAAAAAAAAAAH9/fwAAAAADzMzMAMDA/wB/f38AAAAAAAAAAAAAAAAAAAAAAAAAAAAhAAAAGAAAABQAAAAAAAAA/jgAAKsiAAD+OwAAEAAAACYAAAAIAAAAv48AAAAAAAA="/>
+                <pr:smNativeData xmlns:pr="smNativeData" val="SMDATA_13_eIVQYBMAAAAlAAAAZAAAAA0AAAAAkAAAAEgAAACQAAAASAAAAAAAAAACAAAAAAAAAAEAAABQAAAAAAAAAAAA4D8AAAAAAADgPwAAAAAAAOA/AAAAAAAA4D8AAAAAAADgPwAAAAAAAOA/AAAAAAAA4D8AAAAAAADgPwAAAAAAAOA/AAAAAAAA4D8CAAAAjAAAAAAAAAAAAAAA////AP///wgAAAAAAAAAAAAAAAAAAAAAAAAAAAAAAAAAAAAAeAAAAAEAAABAAAAAAAAAAAAAAABaAAAAAAAAAAAAAAAAAAAAAAAAAAAAAAAAAAAAAAAAAAAAAAAAAAAAAAAAAAAAAAAAAAAAAAAAAAAAAAAAAAAAAAAAAAAAAAAAAAAAFAAAADwAAAAAAAAAAAAAAAAAAAAPAAAAAQAAACMAAAAjAAAAIwAAAB4AAAAAAAAAZAAAAGQAAAAAAAAAZAAAAGQAAAAVAAAAYAAAAAAAAAAAAAAADwAAACADAAAAAAAAAAAAAAEAAACgMgAAVgcAAKr4//8BAAAAf39/AAEAAABkAAAAAAAAABQAAABAHwAAAAAAACYAAAAAAAAAwOD//wAAAAAmAAAAZAAAABYAAABMAAAAAAAAAAAAAAAEAAAAAAAAAAEAAADu7OEKAAAAACgAAAAoAAAAZAAAAGQAAAAAAAAAzMzMAAAAAABQAAAAUAAAAGQAAABkAAAAAAAAABcAAAAUAAAAAAAAAAAAAAD/fwAA/38AAAAAAAAJAAAABAAAADgAQwAMAAAAEAAAAAAAAAAAAAAAAAAAAAAAAAAeAAAAaAAAAAAAAAAAAAAAAAAAAAAAAAAAAAAAECcAABAnAAAAAAAAAAAAAAAAAAAAAAAAAAAAAAAAAAAAAAAAAAAAABQAAAAAAAAAwMD/AAAAAABkAAAAMgAAAAAAAABkAAAAAAAAAH9/fwAKAAAAHwAAAFQAAAD///8AAAAAAQAAAAAAAAAAAAAAAAAAAAAAAAAAAAAAAAAAAAAAAAAAAAAAAH9/fwAAAAADzMzMAMDA/wB/f38AAAAAAAAAAAAAAAAAAAAAAAAAAAAhAAAAGAAAABQAAAAAAAAA/jgAAKsiAAD+OwAAEAAAACYAAAAIAAAAv58AAAAAAAA="/>
               </a:ext>
             </a:extLst>
           </p:cNvSpPr>
@@ -479,7 +458,6 @@
             <a:pPr>
               <a:defRPr lang="de-de"/>
             </a:pPr>
-            <a:endParaRPr/>
           </a:p>
         </p:txBody>
       </p:sp>
@@ -490,7 +468,7 @@
             <a:spLocks noGrp="1" noChangeArrowheads="1"/>
             <a:extLst>
               <a:ext uri="smNativeData">
-                <pr:smNativeData xmlns:pr="smNativeData" xmlns:p14="http://schemas.microsoft.com/office/powerpoint/2010/main" xmlns="" val="SMDATA_13_ec9PYBMAAAAlAAAAZAAAAA0AAAAAkAAAAEgAAACQAAAASAAAAAAAAAACAAAAAAAAAAEAAABQAAAAAAAAAAAA4D8AAAAAAADgPwAAAAAAAOA/AAAAAAAA4D8AAAAAAADgPwAAAAAAAOA/AAAAAAAA4D8AAAAAAADgPwAAAAAAAOA/AAAAAAAA4D8CAAAAjAAAAAAAAAAAAAAA////AP///wgAAAAAAAAAAAAAAAAAAAAAAAAAAAAAAAAAAAAAeAAAAAEAAABAAAAAAAAAAAAAAABaAAAAAAAAAAAAAAAAAAAAAAAAAAAAAAAAAAAAAAAAAAAAAAAAAAAAAAAAAAAAAAAAAAAAAAAAAAAAAAAAAAAAAAAAAAAAAAAAAAAAFAAAADwAAAAAAAAAAAAAAAAAAAAPAAAAAQAAACMAAAAjAAAAIwAAAB4AAAAAAAAAZAAAAGQAAAAAAAAAZAAAAGQAAAAVAAAAYAAAAAAAAAAAAAAADwAAACADAAAAAAAAAAAAAAEAAACgMgAAVgcAAKr4//8BAAAAf39/AAEAAABkAAAAAAAAABQAAABAHwAAAAAAACYAAAAAAAAAwOD//wAAAAAmAAAAZAAAABYAAABMAAAAAAAAAAAAAAAEAAAAAAAAAAEAAADu7OEKAAAAACgAAAAoAAAAZAAAAGQAAAAAAAAAzMzMAAAAAABQAAAAUAAAAGQAAABkAAAAAAAAABcAAAAUAAAAAAAAAAAAAAD/fwAA/38AAAAAAAAJAAAABAAAAAAAAAAMAAAAEAAAAAAAAAAAAAAAAAAAAAAAAAAeAAAAaAAAAAAAAAAAAAAAAAAAAAAAAAAAAAAAECcAABAnAAAAAAAAAAAAAAAAAAAAAAAAAAAAAAAAAAAAAAAAAAAAABQAAAAAAAAAwMD/AAAAAABkAAAAMgAAAAAAAABkAAAAAAAAAH9/fwAKAAAAHwAAAFQAAAD///8AAAAAAQAAAAAAAAAAAAAAAAAAAAAAAAAAAAAAAAAAAAAAAAAAAAAAAH9/fwAAAAADzMzMAMDA/wB/f38AAAAAAAAAAAAAAAAAAAAAAAAAAAAhAAAAGAAAABQAAABQLQAA/jgAAPtPAAD+OwAAEAAAACYAAAAIAAAAv48AAAAAAAA="/>
+                <pr:smNativeData xmlns:pr="smNativeData" val="SMDATA_13_eIVQYBMAAAAlAAAAZAAAAA0AAAAAkAAAAEgAAACQAAAASAAAAAAAAAACAAAAAAAAAAEAAABQAAAAAAAAAAAA4D8AAAAAAADgPwAAAAAAAOA/AAAAAAAA4D8AAAAAAADgPwAAAAAAAOA/AAAAAAAA4D8AAAAAAADgPwAAAAAAAOA/AAAAAAAA4D8CAAAAjAAAAAAAAAAAAAAA////AP///wgAAAAAAAAAAAAAAAAAAAAAAAAAAAAAAAAAAAAAeAAAAAEAAABAAAAAAAAAAAAAAABaAAAAAAAAAAAAAAAAAAAAAAAAAAAAAAAAAAAAAAAAAAAAAAAAAAAAAAAAAAAAAAAAAAAAAAAAAAAAAAAAAAAAAAAAAAAAAAAAAAAAFAAAADwAAAAAAAAAAAAAAAAAAAAPAAAAAQAAACMAAAAjAAAAIwAAAB4AAAAAAAAAZAAAAGQAAAAAAAAAZAAAAGQAAAAVAAAAYAAAAAAAAAAAAAAADwAAACADAAAAAAAAAAAAAAEAAACgMgAAVgcAAKr4//8BAAAAf39/AAEAAABkAAAAAAAAABQAAABAHwAAAAAAACYAAAAAAAAAwOD//wAAAAAmAAAAZAAAABYAAABMAAAAAAAAAAAAAAAEAAAAAAAAAAEAAADu7OEKAAAAACgAAAAoAAAAZAAAAGQAAAAAAAAAzMzMAAAAAABQAAAAUAAAAGQAAABkAAAAAAAAABcAAAAUAAAAAAAAAAAAAAD/fwAA/38AAAAAAAAJAAAABAAAAEEAQQAMAAAAEAAAAAAAAAAAAAAAAAAAAAAAAAAeAAAAaAAAAAAAAAAAAAAAAAAAAAAAAAAAAAAAECcAABAnAAAAAAAAAAAAAAAAAAAAAAAAAAAAAAAAAAAAAAAAAAAAABQAAAAAAAAAwMD/AAAAAABkAAAAMgAAAAAAAABkAAAAAAAAAH9/fwAKAAAAHwAAAFQAAAD///8AAAAAAQAAAAAAAAAAAAAAAAAAAAAAAAAAAAAAAAAAAAAAAAAAAAAAAH9/fwAAAAADzMzMAMDA/wB/f38AAAAAAAAAAAAAAAAAAAAAAAAAAAAhAAAAGAAAABQAAABQLQAA/jgAAPtPAAD+OwAAEAAAACYAAAAIAAAAv58AAAAAAAA="/>
               </a:ext>
             </a:extLst>
           </p:cNvSpPr>
@@ -546,19 +524,13 @@
             <a:pPr>
               <a:defRPr lang="de-de"/>
             </a:pPr>
-            <a:fld id="{1F9F299B-D5F2-CADF-BC27-238A67694A76}" type="slidenum">
+            <a:fld id="{75EF814B-0598-BA77-D657-F322CF1920A6}" type="slidenum">
               <a:t>‹#›</a:t>
             </a:fld>
-            <a:endParaRPr/>
           </a:p>
         </p:txBody>
       </p:sp>
     </p:spTree>
-    <p:extLst>
-      <p:ext uri="{BB962C8B-B14F-4D97-AF65-F5344CB8AC3E}">
-        <p14:creationId xmlns:p14="http://schemas.microsoft.com/office/powerpoint/2010/main" val="1"/>
-      </p:ext>
-    </p:extLst>
   </p:cSld>
   <p:clrMap bg1="lt1" tx1="dk1" bg2="lt2" tx2="dk2" accent1="accent1" accent2="accent2" accent3="accent3" accent4="accent4" accent5="accent5" accent6="accent6" hlink="hlink" folHlink="folHlink"/>
   <p:hf sldNum="0" hdr="0" ftr="0" dt="0"/>
@@ -566,7 +538,7 @@
 </file>
 
 <file path=ppt/notesMasters/notesMaster1.xml><?xml version="1.0" encoding="utf-8"?>
-<p:notesMaster xmlns:a="http://schemas.openxmlformats.org/drawingml/2006/main" xmlns:r="http://schemas.openxmlformats.org/officeDocument/2006/relationships" xmlns:p="http://schemas.openxmlformats.org/presentationml/2006/main">
+<p:notesMaster xmlns:p="http://schemas.openxmlformats.org/presentationml/2006/main" xmlns:p14="http://schemas.microsoft.com/office/powerpoint/2010/main" xmlns:r="http://schemas.openxmlformats.org/officeDocument/2006/relationships" xmlns:a="http://schemas.openxmlformats.org/drawingml/2006/main">
   <p:cSld>
     <p:bg>
       <p:bgPr>
@@ -597,7 +569,7 @@
             <a:spLocks noGrp="1" noChangeArrowheads="1"/>
             <a:extLst>
               <a:ext uri="smNativeData">
-                <pr:smNativeData xmlns:pr="smNativeData" xmlns:p14="http://schemas.microsoft.com/office/powerpoint/2010/main" xmlns="" val="SMDATA_13_ec9PYBMAAAAlAAAAZAAAAA0AAAAAkAAAAEgAAACQAAAASAAAAAAAAAAAAAAAAAAAAAEAAABQAAAAAAAAAAAA4D8AAAAAAADgPwAAAAAAAOA/AAAAAAAA4D8AAAAAAADgPwAAAAAAAOA/AAAAAAAA4D8AAAAAAADgPwAAAAAAAOA/AAAAAAAA4D8CAAAAjAAAAAAAAAAAAAAA////AP///wgAAAAAAAAAAAAAAAAAAAAAAAAAAAAAAAAAAAAAeAAAAAEAAABAAAAAAAAAAAAAAABaAAAAAAAAAAAAAAAAAAAAAAAAAAAAAAAAAAAAAAAAAAAAAAAAAAAAAAAAAAAAAAAAAAAAAAAAAAAAAAAAAAAAAAAAAAAAAAAAAAAAFAAAADwAAAAAAAAAAAAAAAAAAAAPAAAAAQAAACMAAAAjAAAAIwAAAB4AAAAAAAAAZAAAAGQAAAAAAAAAZAAAAGQAAAAVAAAAYAAAAAAAAAAAAAAADwAAACADAAAAAAAAAAAAAAEAAACgMgAAVgcAAKr4//8BAAAAf39/AAEAAABkAAAAAAAAABQAAABAHwAAAAAAACYAAAAAAAAAwOD//wAAAAAmAAAAZAAAABYAAABMAAAAAAAAAAAAAAAEAAAAAAAAAAEAAADu7OEKAAAAACgAAAAoAAAAZAAAAGQAAAAAAAAAzMzMAAAAAABQAAAAUAAAAGQAAABkAAAAAAAAABcAAAAUAAAAAAAAAAAAAAD/fwAA/38AAAAAAAAJAAAABAAAAAAAAAAMAAAAEAAAAAAAAAAAAAAAAAAAAAAAAAAeAAAAaAAAAAAAAAAAAAAAAAAAAAAAAAAAAAAAECcAABAnAAAAAAAAAAAAAAAAAAAAAAAAAAAAAAAAAAAAAAAAAAAAABQAAAAAAAAAwMD/AAAAAABkAAAAMgAAAAAAAABkAAAAAAAAAH9/fwAKAAAAHwAAAFQAAAD///8AAAAAAQAAAAAAAAAAAAAAAAAAAAAAAAAAAAAAAAAAAAAAAAAAAAAAAH9/fwAAAAADzMzMAMDA/wB/f38AAAAAAAAAAAAAAAAAAAAAAAAAAAAhAAAAGAAAABQAAAAAAAAAAAAAAKsiAAAAAwAAEAAAACYAAAAIAAAAP48AAAAAAAA="/>
+                <pr:smNativeData xmlns:pr="smNativeData" val="SMDATA_13_eIVQYBMAAAAlAAAAZAAAAA0AAAAAkAAAAEgAAACQAAAASAAAAAAAAAAAAAAAAAAAAAEAAABQAAAAAAAAAAAA4D8AAAAAAADgPwAAAAAAAOA/AAAAAAAA4D8AAAAAAADgPwAAAAAAAOA/AAAAAAAA4D8AAAAAAADgPwAAAAAAAOA/AAAAAAAA4D8CAAAAjAAAAAAAAAAAAAAA////AP///wgAAAAAAAAAAAAAAAAAAAAAAAAAAAAAAAAAAAAAeAAAAAEAAABAAAAAAAAAAAAAAABaAAAAAAAAAAAAAAAAAAAAAAAAAAAAAAAAAAAAAAAAAAAAAAAAAAAAAAAAAAAAAAAAAAAAAAAAAAAAAAAAAAAAAAAAAAAAAAAAAAAAFAAAADwAAAAAAAAAAAAAAAAAAAAPAAAAAQAAACMAAAAjAAAAIwAAAB4AAAAAAAAAZAAAAGQAAAAAAAAAZAAAAGQAAAAVAAAAYAAAAAAAAAAAAAAADwAAACADAAAAAAAAAAAAAAEAAACgMgAAVgcAAKr4//8BAAAAf39/AAEAAABkAAAAAAAAABQAAABAHwAAAAAAACYAAAAAAAAAwOD//wAAAAAmAAAAZAAAABYAAABMAAAAAAAAAAAAAAAEAAAAAAAAAAEAAADu7OEKAAAAACgAAAAoAAAAZAAAAGQAAAAAAAAAzMzMAAAAAABQAAAAUAAAAGQAAABkAAAAAAAAABcAAAAUAAAAAAAAAAAAAAD/fwAA/38AAAAAAAAJAAAABAAAAAAAAAAMAAAAEAAAAAAAAAAAAAAAAAAAAAAAAAAeAAAAaAAAAAAAAAAAAAAAAAAAAAAAAAAAAAAAECcAABAnAAAAAAAAAAAAAAAAAAAAAAAAAAAAAAAAAAAAAAAAAAAAABQAAAAAAAAAwMD/AAAAAABkAAAAMgAAAAAAAABkAAAAAAAAAH9/fwAKAAAAHwAAAFQAAAD///8AAAAAAQAAAAAAAAAAAAAAAAAAAAAAAAAAAAAAAAAAAAAAAAAAAAAAAH9/fwAAAAADzMzMAMDA/wB/f38AAAAAAAAAAAAAAAAAAAAAAAAAAAAhAAAAGAAAABQAAAAAAAAAAAAAAKsiAAAAAwAAEAAAACYAAAAIAAAAv58AAAAAAAA="/>
               </a:ext>
             </a:extLst>
           </p:cNvSpPr>
@@ -653,7 +625,6 @@
             <a:pPr>
               <a:defRPr lang="de-de"/>
             </a:pPr>
-            <a:endParaRPr/>
           </a:p>
         </p:txBody>
       </p:sp>
@@ -664,7 +635,7 @@
             <a:spLocks noGrp="1" noChangeArrowheads="1"/>
             <a:extLst>
               <a:ext uri="smNativeData">
-                <pr:smNativeData xmlns:pr="smNativeData" xmlns:p14="http://schemas.microsoft.com/office/powerpoint/2010/main" xmlns="" val="SMDATA_13_ec9PYBMAAAAlAAAAZAAAAA0AAAAAkAAAAEgAAACQAAAASAAAAAAAAAAAAAAAAAAAAAEAAABQAAAAAAAAAAAA4D8AAAAAAADgPwAAAAAAAOA/AAAAAAAA4D8AAAAAAADgPwAAAAAAAOA/AAAAAAAA4D8AAAAAAADgPwAAAAAAAOA/AAAAAAAA4D8CAAAAjAAAAAAAAAAAAAAA////AP///wgAAAAAAAAAAAAAAAAAAAAAAAAAAAAAAAAAAAAAeAAAAAEAAABAAAAAAAAAAAAAAABaAAAAAAAAAAAAAAAAAAAAAAAAAAAAAAAAAAAAAAAAAAAAAAAAAAAAAAAAAAAAAAAAAAAAAAAAAAAAAAAAAAAAAAAAAAAAAAAAAAAAFAAAADwAAAAAAAAAAAAAAAAAAAAPAAAAAQAAACMAAAAjAAAAIwAAAB4AAAAAAAAAZAAAAGQAAAAAAAAAZAAAAGQAAAAVAAAAYAAAAAAAAAAAAAAADwAAACADAAAAAAAAAAAAAAEAAACgMgAAVgcAAKr4//8BAAAAf39/AAEAAABkAAAAAAAAABQAAABAHwAAAAAAACYAAAAAAAAAwOD//wAAAAAmAAAAZAAAABYAAABMAAAAAAAAAAAAAAAEAAAAAAAAAAEAAADu7OEKAAAAACgAAAAoAAAAZAAAAGQAAAAAAAAAzMzMAAAAAABQAAAAUAAAAGQAAABkAAAAAAAAABcAAAAUAAAAAAAAAAAAAAD/fwAA/38AAAAAAAAJAAAABAAAAAAAAAAMAAAAEAAAAAAAAAAAAAAAAAAAAAAAAAAeAAAAaAAAAAAAAAAAAAAAAAAAAAAAAAAAAAAAECcAABAnAAAAAAAAAAAAAAAAAAAAAAAAAAAAAAAAAAAAAAAAAAAAABQAAAAAAAAAwMD/AAAAAABkAAAAMgAAAAAAAABkAAAAAAAAAH9/fwAKAAAAHwAAAFQAAAD///8AAAAAAQAAAAAAAAAAAAAAAAAAAAAAAAAAAAAAAAAAAAAAAAAAAAAAAH9/fwAAAAADzMzMAMDA/wB/f38AAAAAAAAAAAAAAAAAAAAAAAAAAAAhAAAAGAAAABQAAABQLQAAAAAAAPtPAAAAAwAAEAAAACYAAAAIAAAAP48AAAAAAAA="/>
+                <pr:smNativeData xmlns:pr="smNativeData" val="SMDATA_13_eIVQYBMAAAAlAAAAZAAAAA0AAAAAkAAAAEgAAACQAAAASAAAAAAAAAAAAAAAAAAAAAEAAABQAAAAAAAAAAAA4D8AAAAAAADgPwAAAAAAAOA/AAAAAAAA4D8AAAAAAADgPwAAAAAAAOA/AAAAAAAA4D8AAAAAAADgPwAAAAAAAOA/AAAAAAAA4D8CAAAAjAAAAAAAAAAAAAAA////AP///wgAAAAAAAAAAAAAAAAAAAAAAAAAAAAAAAAAAAAAeAAAAAEAAABAAAAAAAAAAAAAAABaAAAAAAAAAAAAAAAAAAAAAAAAAAAAAAAAAAAAAAAAAAAAAAAAAAAAAAAAAAAAAAAAAAAAAAAAAAAAAAAAAAAAAAAAAAAAAAAAAAAAFAAAADwAAAAAAAAAAAAAAAAAAAAPAAAAAQAAACMAAAAjAAAAIwAAAB4AAAAAAAAAZAAAAGQAAAAAAAAAZAAAAGQAAAAVAAAAYAAAAAAAAAAAAAAADwAAACADAAAAAAAAAAAAAAEAAACgMgAAVgcAAKr4//8BAAAAf39/AAEAAABkAAAAAAAAABQAAABAHwAAAAAAACYAAAAAAAAAwOD//wAAAAAmAAAAZAAAABYAAABMAAAAAAAAAAAAAAAEAAAAAAAAAAEAAADu7OEKAAAAACgAAAAoAAAAZAAAAGQAAAAAAAAAzMzMAAAAAABQAAAAUAAAAGQAAABkAAAAAAAAABcAAAAUAAAAAAAAAAAAAAD/fwAA/38AAAAAAAAJAAAABAAAAPT09P8MAAAAEAAAAAAAAAAAAAAAAAAAAAAAAAAeAAAAaAAAAAAAAAAAAAAAAAAAAAAAAAAAAAAAECcAABAnAAAAAAAAAAAAAAAAAAAAAAAAAAAAAAAAAAAAAAAAAAAAABQAAAAAAAAAwMD/AAAAAABkAAAAMgAAAAAAAABkAAAAAAAAAH9/fwAKAAAAHwAAAFQAAAD///8AAAAAAQAAAAAAAAAAAAAAAAAAAAAAAAAAAAAAAAAAAAAAAAAAAAAAAH9/fwAAAAADzMzMAMDA/wB/f38AAAAAAAAAAAAAAAAAAAAAAAAAAAAhAAAAGAAAABQAAABQLQAAAAAAAPtPAAAAAwAAEAAAACYAAAAIAAAAv58AAAAAAAA="/>
               </a:ext>
             </a:extLst>
           </p:cNvSpPr>
@@ -720,10 +691,9 @@
             <a:pPr>
               <a:defRPr lang="de-de"/>
             </a:pPr>
-            <a:fld id="{69BC05D8-9684-E9F3-CA04-60A64B4A3C35}" type="datetime1">
+            <a:fld id="{5572C999-D7B8-273F-F6CA-216A87840074}" type="datetime1">
               <a:t>3/16/2021</a:t>
             </a:fld>
-            <a:endParaRPr/>
           </a:p>
         </p:txBody>
       </p:sp>
@@ -731,10 +701,10 @@
         <p:nvSpPr>
           <p:cNvPr id="4" name="Folienbildplatzhalter 3"/>
           <p:cNvSpPr>
-            <a:spLocks noGrp="1" noRot="1" noChangeAspect="1" noChangeArrowheads="1"/>
-            <a:extLst>
-              <a:ext uri="smNativeData">
-                <pr:smNativeData xmlns:pr="smNativeData" xmlns:p14="http://schemas.microsoft.com/office/powerpoint/2010/main" xmlns="" val="SMDATA_13_ec9PYBMAAAAlAAAAZAAAAC0AAAAAkAAAAEgAAACQAAAASAAAAAAAAAABAAAAAAAAAAEAAABQAAAAAAAAAAAA4D8AAAAAAADgPwAAAAAAAOA/AAAAAAAA4D8AAAAAAADgPwAAAAAAAOA/AAAAAAAA4D8AAAAAAADgPwAAAAAAAOA/AAAAAAAA4D8CAAAAjAAAAAAAAAAAAAAAT4G9DP///wgAAAAAAAAAAAAAAAAAAAAAAAAAAAAAAAAAAAAAZAAAAAEAAABAAAAAAAAAAAAAAAAAAAAAAAAAAAAAAAAAAAAAAAAAAAAAAAAAAAAAAAAAAAAAAAAAAAAAAAAAAAAAAAAAAAAAAAAAAAAAAAAAAAAAAAAAAAAAAAAAAAAAFAAAADwAAAABAAAAAAAAAAAAAAAUAAAAAQAAACMAAAAjAAAAIwAAAB4AAAAAAAAAZAAAAGQAAAAAAAAAZAAAAGQAAAAVAAAAYAAAAAAAAAAAAAAADwAAACADAAAAAAAAAAAAAAEAAACgMgAAVgcAAKr4//8BAAAAf39/AAEAAABkAAAAAAAAABQAAABAHwAAAAAAACYAAAAAAAAAwOD//wAAAAAmAAAAZAAAABYAAABMAAAAAAAAAAAAAAAEAAAAAAAAAAEAAADu7OEKAAAAACgAAAAoAAAAZAAAAGQAAAAAAAAAzMzMAAAAAABQAAAAUAAAAGQAAABkAAAAAAAAABcAAAAUAAAAAAAAAAAAAAD/fwAA/38AAAAAAAAJAAAABAAAAAAAAAAMAAAAEAAAAAAAAAAAAAAAAAAAAAAAAAAeAAAAaAAAAAAAAAAAAAAAAAAAAAAAAAAAAAAAECcAABAnAAAAAAAAAAAAAAAAAAAAAAAAAAAAAAAAAAAAAAAAAAAAABQAAAAAAAAAwMD/AAAAAABkAAAAMgAAAAAAAABkAAAAAAAAAH9/fwAKAAAAHwAAAFQAAAAAAAAFAAAAAQAAAAAAAAAAAAAAAAAAAAAAAAAAAAAAAAAAAAAAAAAAAAAAAH9/fwAAAAADzMzMAMDA/wB/f38AAAAAAAAAAAAAAAAAAAAAAAAAAAAhAAAAGAAAABQAAAAAGQAAgQQAAAA3AAABGwAAEAAAACYAAAAIAAAAvw8AAP8fAAA="/>
+            <a:spLocks noGrp="1" noChangeArrowheads="1"/>
+            <a:extLst>
+              <a:ext uri="smNativeData">
+                <pr:smNativeData xmlns:pr="smNativeData" val="SMDATA_13_eIVQYBMAAAAlAAAAZAAAAC0AAAAAkAAAAEgAAACQAAAASAAAAAAAAAABAAAAAAAAAAEAAABQAAAAAAAAAAAA4D8AAAAAAADgPwAAAAAAAOA/AAAAAAAA4D8AAAAAAADgPwAAAAAAAOA/AAAAAAAA4D8AAAAAAADgPwAAAAAAAOA/AAAAAAAA4D8CAAAAjAAAAAAAAAAAAAAAT4G9DP///wgAAAAAAAAAAAAAAAAAAAAAAAAAAAAAAAAAAAAAZAAAAAEAAABAAAAAAAAAAAAAAAAAAAAAAAAAAAAAAAAAAAAAAAAAAAAAAAAAAAAAAAAAAAAAAAAAAAAAAAAAAAAAAAAAAAAAAAAAAAAAAAAAAAAAAAAAAAAAAAAAAAAAFAAAADwAAAABAAAAAAAAAAAAAAAUAAAAAQAAACMAAAAjAAAAIwAAAB4AAAAAAAAAZAAAAGQAAAAAAAAAZAAAAGQAAAAVAAAAYAAAAAAAAAAAAAAADwAAACADAAAAAAAAAAAAAAEAAACgMgAAVgcAAKr4//8BAAAAf39/AAEAAABkAAAAAAAAABQAAABAHwAAAAAAACYAAAAAAAAAwOD//wAAAAAmAAAAZAAAABYAAABMAAAAAAAAAAAAAAAEAAAAAAAAAAEAAADu7OEKAAAAACgAAAAoAAAAZAAAAGQAAAAAAAAAzMzMAAAAAABQAAAAUAAAAGQAAABkAAAAAAAAABcAAAAUAAAAAAAAAAAAAAD/fwAA/38AAAAAAAAJAAAABAAAAPT09P8MAAAAEAAAAAAAAAAAAAAAAAAAAAAAAAAeAAAAaAAAAAAAAAAAAAAAAAAAAAAAAAAAAAAAECcAABAnAAAAAAAAAAAAAAAAAAAAAAAAAAAAAAAAAAAAAAAAAAAAABQAAAAAAAAAwMD/AAAAAABkAAAAMgAAAAAAAABkAAAAAAAAAH9/fwAKAAAAHwAAAFQAAAAAAAAFAAAAAQAAAAAAAAAAAAAAAAAAAAAAAAAAAAAAAAAAAAAAAAAAAAAAAH9/fwAAAAADzMzMAMDA/wB/f38AAAAAAAAAAAAAAAAAAAAAAAAAAAAhAAAAGAAAABQAAAAAGQAAgQQAAAA3AAABGwAAEAAAACYAAAAIAAAAvx8AAP8fAAA="/>
               </a:ext>
             </a:extLst>
           </p:cNvSpPr>
@@ -771,7 +741,6 @@
             <a:pPr>
               <a:defRPr lang="de-de"/>
             </a:pPr>
-            <a:endParaRPr/>
           </a:p>
         </p:txBody>
       </p:sp>
@@ -782,7 +751,7 @@
             <a:spLocks noGrp="1" noChangeArrowheads="1"/>
             <a:extLst>
               <a:ext uri="smNativeData">
-                <pr:smNativeData xmlns:pr="smNativeData" xmlns:p14="http://schemas.microsoft.com/office/powerpoint/2010/main" xmlns="" val="SMDATA_13_ec9PYBMAAAAlAAAAZAAAAA0AAAAAkAAAAEgAAACQAAAASAAAAAAAAAAAAAAAAAAAAAEAAABQAAAAAAAAAAAA4D8AAAAAAADgPwAAAAAAAOA/AAAAAAAA4D8AAAAAAADgPwAAAAAAAOA/AAAAAAAA4D8AAAAAAADgPwAAAAAAAOA/AAAAAAAA4D8CAAAAjAAAAAAAAAAAAAAA////AP///wgAAAAAAAAAAAAAAAAAAAAAAAAAAAAAAAAAAAAAeAAAAAEAAABAAAAAAAAAAAAAAABaAAAAAAAAAAAAAAAAAAAAAAAAAAAAAAAAAAAAAAAAAAAAAAAAAAAAAAAAAAAAAAAAAAAAAAAAAAAAAAAAAAAAAAAAAAAAAAAAAAAAFAAAADwAAAAAAAAAAAAAAAAAAAAPAAAAAQAAACMAAAAjAAAAIwAAAB4AAAAAAAAAZAAAAGQAAAAAAAAAZAAAAGQAAAAVAAAAYAAAAAAAAAAAAAAADwAAACADAAAAAAAAAAAAAAEAAACgMgAAVgcAAKr4//8BAAAAf39/AAEAAABkAAAAAAAAABQAAABAHwAAAAAAACYAAAAAAAAAwOD//wAAAAAmAAAAZAAAABYAAABMAAAAAAAAAAAAAAAEAAAAAAAAAAEAAADu7OEKAAAAACgAAAAoAAAAZAAAAGQAAAAAAAAAzMzMAAAAAABQAAAAUAAAAGQAAABkAAAAAAAAABcAAAAUAAAAAAAAAAAAAAD/fwAA/38AAAAAAAAJAAAABAAAAAAAAAAMAAAAEAAAAAAAAAAAAAAAAAAAAAAAAAAeAAAAaAAAAAAAAAAAAAAAAAAAAAAAAAAAAAAAECcAABAnAAAAAAAAAAAAAAAAAAAAAAAAAAAAAAAAAAAAAAAAAAAAABQAAAAAAAAAwMD/AAAAAABkAAAAMgAAAAAAAABkAAAAAAAAAH9/fwAKAAAAHwAAAFQAAAD///8AAAAAAQAAAAAAAAAAAAAAAAAAAAAAAAAAAAAAAAAAAAAAAAAAAAAAAH9/fwAAAAADzMzMAMDA/wB/f38AAAAAAAAAAAAAAAAAAAAAAAAAAAAhAAAAGAAAABQAAAAACAAAfxwAAAFIAACANwAAEAAAACYAAAAIAAAAPy8AAP8fAAA="/>
+                <pr:smNativeData xmlns:pr="smNativeData" val="SMDATA_13_eIVQYBMAAAAlAAAAZAAAAA0AAAAAkAAAAEgAAACQAAAASAAAAAAAAAAAAAAAAAAAAAEAAABQAAAAAAAAAAAA4D8AAAAAAADgPwAAAAAAAOA/AAAAAAAA4D8AAAAAAADgPwAAAAAAAOA/AAAAAAAA4D8AAAAAAADgPwAAAAAAAOA/AAAAAAAA4D8CAAAAjAAAAAAAAAAAAAAAT4G9DP///wgAAAAAAAAAAAAAAAAAAAAAAAAAAAAAAAAAAAAAZAAAAAEAAABAAAAAAAAAAAAAAAAAAAAAAAAAAAAAAAAAAAAAAAAAAAAAAAAAAAAAAAAAAAAAAAAAAAAAAAAAAAAAAAAAAAAAAAAAAAAAAAAAAAAAAAAAAAAAAAAAAAAAFAAAADwAAAAAAAAAAAAAAAAAAAkUAAAAAQAAABQAAAAUAAAAFAAAAAEAAAAAAAAAZAAAAGQAAAAAAAAAZAAAAGQAAAAVAAAAYAAAAAAAAAAAAAAADwAAACADAAAAAAAAAAAAAAEAAACgMgAAVgcAAKr4//8BAAAAf39/AAEAAABkAAAAAAAAABQAAABAHwAAAAAAACYAAAAAAAAAwOD//wAAAAAmAAAAZAAAABYAAABMAAAAAAAAAAAAAAAEAAAAAAAAAAEAAADu7OEKAAAAACgAAAAoAAAAZAAAAGQAAAAAAAAAzMzMAAAAAABQAAAAUAAAAGQAAABkAAAAAAAAABcAAAAUAAAAAAAAAAAAAAD/fwAA/38AAAAAAAAJAAAABAAAAPT09P8MAAAAEAAAAAAAAAAAAAAAAAAAAAAAAAAeAAAAaAAAAAAAAAAAAAAAAAAAAAAAAAAAAAAAECcAABAnAAAAAAAAAAAAAAAAAAAAAAAAAAAAAAAAAAAAAAAAAAAAABQAAAAAAAAAwMD/AAAAAABkAAAAMgAAAAAAAABkAAAAAAAAAH9/fwAKAAAAHwAAAFQAAAAAAAAFAAAAAQAAAAAAAAAAAAAAAAAAAAAAAAAAAAAAAAAAAAAAAAAAAAAAAn9/fwAAAAADzMzMAMDA/wB/f38AAAAAAAAAAAAAAAAAAAAAAAAAAAAhAAAAGAAAABQAAAAACAAAfxwAAAFIAACANwAAEAAAACYAAAAIAAAAvx8AAP8fAAA="/>
               </a:ext>
             </a:extLst>
           </p:cNvSpPr>
@@ -859,7 +828,7 @@
             <a:spLocks noGrp="1" noChangeArrowheads="1"/>
             <a:extLst>
               <a:ext uri="smNativeData">
-                <pr:smNativeData xmlns:pr="smNativeData" xmlns:p14="http://schemas.microsoft.com/office/powerpoint/2010/main" xmlns="" val="SMDATA_13_ec9PYBMAAAAlAAAAZAAAAA0AAAAAkAAAAEgAAACQAAAASAAAAAAAAAACAAAAAAAAAAEAAABQAAAAAAAAAAAA4D8AAAAAAADgPwAAAAAAAOA/AAAAAAAA4D8AAAAAAADgPwAAAAAAAOA/AAAAAAAA4D8AAAAAAADgPwAAAAAAAOA/AAAAAAAA4D8CAAAAjAAAAAAAAAAAAAAA////AP///wgAAAAAAAAAAAAAAAAAAAAAAAAAAAAAAAAAAAAAeAAAAAEAAABAAAAAAAAAAAAAAABaAAAAAAAAAAAAAAAAAAAAAAAAAAAAAAAAAAAAAAAAAAAAAAAAAAAAAAAAAAAAAAAAAAAAAAAAAAAAAAAAAAAAAAAAAAAAAAAAAAAAFAAAADwAAAAAAAAAAAAAAAAAAAAPAAAAAQAAACMAAAAjAAAAIwAAAB4AAAAAAAAAZAAAAGQAAAAAAAAAZAAAAGQAAAAVAAAAYAAAAAAAAAAAAAAADwAAACADAAAAAAAAAAAAAAEAAACgMgAAVgcAAKr4//8BAAAAf39/AAEAAABkAAAAAAAAABQAAABAHwAAAAAAACYAAAAAAAAAwOD//wAAAAAmAAAAZAAAABYAAABMAAAAAAAAAAAAAAAEAAAAAAAAAAEAAADu7OEKAAAAACgAAAAoAAAAZAAAAGQAAAAAAAAAzMzMAAAAAABQAAAAUAAAAGQAAABkAAAAAAAAABcAAAAUAAAAAAAAAAAAAAD/fwAA/38AAAAAAAAJAAAABAAAAAAAAAAMAAAAEAAAAAAAAAAAAAAAAAAAAAAAAAAeAAAAaAAAAAAAAAAAAAAAAAAAAAAAAAAAAAAAECcAABAnAAAAAAAAAAAAAAAAAAAAAAAAAAAAAAAAAAAAAAAAAAAAABQAAAAAAAAAwMD/AAAAAABkAAAAMgAAAAAAAABkAAAAAAAAAH9/fwAKAAAAHwAAAFQAAAD///8AAAAAAQAAAAAAAAAAAAAAAAAAAAAAAAAAAAAAAAAAAAAAAAAAAAAAAH9/fwAAAAADzMzMAMDA/wB/f38AAAAAAAAAAAAAAAAAAAAAAAAAAAAhAAAAGAAAABQAAAAAAAAA/jgAAKsiAAD+OwAAEAAAACYAAAAIAAAAv48AAP8fAAA="/>
+                <pr:smNativeData xmlns:pr="smNativeData" val="SMDATA_13_eIVQYBMAAAAlAAAAZAAAAA0AAAAAkAAAAEgAAACQAAAASAAAAAAAAAACAAAAAAAAAAEAAABQAAAAAAAAAAAA4D8AAAAAAADgPwAAAAAAAOA/AAAAAAAA4D8AAAAAAADgPwAAAAAAAOA/AAAAAAAA4D8AAAAAAADgPwAAAAAAAOA/AAAAAAAA4D8CAAAAjAAAAAAAAAAAAAAAT4G9DP///wgAAAAAAAAAAAAAAAAAAAAAAAAAAAAAAAAAAAAAZAAAAAEAAABAAAAAAAAAAAAAAAAAAAAAAAAAAAAAAAAAAAAAAAAAAAAAAAAAAAAAAAAAAAAAAAAAAAAAAAAAAAAAAAAAAAAAAAAAAAAAAAAAAAAAAAAAAAAAAAAAAAAAFAAAADwAAAAAAAAAAAAAAAAAAAkUAAAAAQAAABQAAAAUAAAAFAAAAAEAAAAAAAAAZAAAAGQAAAAAAAAAZAAAAGQAAAAVAAAAYAAAAAAAAAAAAAAADwAAACADAAAAAAAAAAAAAAEAAACgMgAAVgcAAKr4//8BAAAAf39/AAEAAABkAAAAAAAAABQAAABAHwAAAAAAACYAAAAAAAAAwOD//wAAAAAmAAAAZAAAABYAAABMAAAAAAAAAAAAAAAEAAAAAAAAAAEAAADu7OEKAAAAACgAAAAoAAAAZAAAAGQAAAAAAAAAzMzMAAAAAABQAAAAUAAAAGQAAABkAAAAAAAAABcAAAAUAAAAAAAAAAAAAAD/fwAA/38AAAAAAAAJAAAABAAAAPT09P8MAAAAEAAAAAAAAAAAAAAAAAAAAAAAAAAeAAAAaAAAAAAAAAAAAAAAAAAAAAAAAAAAAAAAECcAABAnAAAAAAAAAAAAAAAAAAAAAAAAAAAAAAAAAAAAAAAAAAAAABQAAAAAAAAAwMD/AAAAAABkAAAAMgAAAAAAAABkAAAAAAAAAH9/fwAKAAAAHwAAAFQAAAAAAAAFAAAAAQAAAAAAAAAAAAAAAAAAAAAAAAAAAAAAAAAAAAAAAAAAAAAAAn9/fwAAAAADzMzMAMDA/wB/f38AAAAAAAAAAAAAAAAAAAAAAAAAAAAhAAAAGAAAABQAAAAAAAAA/jgAAKsiAAD+OwAAEAAAACYAAAAIAAAAv58AAP8fAAA="/>
               </a:ext>
             </a:extLst>
           </p:cNvSpPr>
@@ -919,7 +888,6 @@
             <a:pPr>
               <a:defRPr lang="de-de"/>
             </a:pPr>
-            <a:endParaRPr/>
           </a:p>
         </p:txBody>
       </p:sp>
@@ -930,7 +898,7 @@
             <a:spLocks noGrp="1" noChangeArrowheads="1"/>
             <a:extLst>
               <a:ext uri="smNativeData">
-                <pr:smNativeData xmlns:pr="smNativeData" xmlns:p14="http://schemas.microsoft.com/office/powerpoint/2010/main" xmlns="" val="SMDATA_13_ec9PYBMAAAAlAAAAZAAAAA0AAAAAkAAAAEgAAACQAAAASAAAAAAAAAACAAAAAAAAAAEAAABQAAAAAAAAAAAA4D8AAAAAAADgPwAAAAAAAOA/AAAAAAAA4D8AAAAAAADgPwAAAAAAAOA/AAAAAAAA4D8AAAAAAADgPwAAAAAAAOA/AAAAAAAA4D8CAAAAjAAAAAAAAAAAAAAA////AP///wgAAAAAAAAAAAAAAAAAAAAAAAAAAAAAAAAAAAAAeAAAAAEAAABAAAAAAAAAAAAAAABaAAAAAAAAAAAAAAAAAAAAAAAAAAAAAAAAAAAAAAAAAAAAAAAAAAAAAAAAAAAAAAAAAAAAAAAAAAAAAAAAAAAAAAAAAAAAAAAAAAAAFAAAADwAAAAAAAAAAAAAAAAAAAAPAAAAAQAAACMAAAAjAAAAIwAAAB4AAAAAAAAAZAAAAGQAAAAAAAAAZAAAAGQAAAAVAAAAYAAAAAAAAAAAAAAADwAAACADAAAAAAAAAAAAAAEAAACgMgAAVgcAAKr4//8BAAAAf39/AAEAAABkAAAAAAAAABQAAABAHwAAAAAAACYAAAAAAAAAwOD//wAAAAAmAAAAZAAAABYAAABMAAAAAAAAAAAAAAAEAAAAAAAAAAEAAADu7OEKAAAAACgAAAAoAAAAZAAAAGQAAAAAAAAAzMzMAAAAAABQAAAAUAAAAGQAAABkAAAAAAAAABcAAAAUAAAAAAAAAAAAAAD/fwAA/38AAAAAAAAJAAAABAAAAAAAAAAMAAAAEAAAAAAAAAAAAAAAAAAAAAAAAAAeAAAAaAAAAAAAAAAAAAAAAAAAAAAAAAAAAAAAECcAABAnAAAAAAAAAAAAAAAAAAAAAAAAAAAAAAAAAAAAAAAAAAAAABQAAAAAAAAAwMD/AAAAAABkAAAAMgAAAAAAAABkAAAAAAAAAH9/fwAKAAAAHwAAAFQAAAD///8AAAAAAQAAAAAAAAAAAAAAAAAAAAAAAAAAAAAAAAAAAAAAAAAAAAAAAH9/fwAAAAADzMzMAMDA/wB/f38AAAAAAAAAAAAAAAAAAAAAAAAAAAAhAAAAGAAAABQAAABQLQAA/jgAAPtPAAD+OwAAEAAAACYAAAAIAAAAv48AAP8fAAA="/>
+                <pr:smNativeData xmlns:pr="smNativeData" val="SMDATA_13_eIVQYBMAAAAlAAAAZAAAAA0AAAAAkAAAAEgAAACQAAAASAAAAAAAAAACAAAAAAAAAAEAAABQAAAAAAAAAAAA4D8AAAAAAADgPwAAAAAAAOA/AAAAAAAA4D8AAAAAAADgPwAAAAAAAOA/AAAAAAAA4D8AAAAAAADgPwAAAAAAAOA/AAAAAAAA4D8CAAAAjAAAAAAAAAAAAAAAT4G9DP///wgAAAAAAAAAAAAAAAAAAAAAAAAAAAAAAAAAAAAAZAAAAAEAAABAAAAAAAAAAAAAAAAAAAAAAAAAAAAAAAAAAAAAAAAAAAAAAAAAAAAAAAAAAAAAAAAAAAAAAAAAAAAAAAAAAAAAAAAAAAAAAAAAAAAAAAAAAAAAAAAAAAAAFAAAADwAAAAAAAAAAAAAAAAAAAkUAAAAAQAAABQAAAAUAAAAFAAAAAEAAAAAAAAAZAAAAGQAAAAAAAAAZAAAAGQAAAAVAAAAYAAAAAAAAAAAAAAADwAAACADAAAAAAAAAAAAAAEAAACgMgAAVgcAAKr4//8BAAAAf39/AAEAAABkAAAAAAAAABQAAABAHwAAAAAAACYAAAAAAAAAwOD//wAAAAAmAAAAZAAAABYAAABMAAAAAAAAAAAAAAAEAAAAAAAAAAEAAADu7OEKAAAAACgAAAAoAAAAZAAAAGQAAAAAAAAAzMzMAAAAAABQAAAAUAAAAGQAAABkAAAAAAAAABcAAAAUAAAAAAAAAAAAAAD/fwAA/38AAAAAAAAJAAAABAAAAPT09P8MAAAAEAAAAAAAAAAAAAAAAAAAAAAAAAAeAAAAaAAAAAAAAAAAAAAAAAAAAAAAAAAAAAAAECcAABAnAAAAAAAAAAAAAAAAAAAAAAAAAAAAAAAAAAAAAAAAAAAAABQAAAAAAAAAwMD/AAAAAABkAAAAMgAAAAAAAABkAAAAAAAAAH9/fwAKAAAAHwAAAFQAAAAAAAAFAAAAAQAAAAAAAAAAAAAAAAAAAAAAAAAAAAAAAAAAAAAAAAAAAAAAAn9/fwAAAAADzMzMAMDA/wB/f38AAAAAAAAAAAAAAAAAAAAAAAAAAAAhAAAAGAAAABQAAABQLQAA/jgAAPtPAAD+OwAAEAAAACYAAAAIAAAAv58AAP8fAAA="/>
               </a:ext>
             </a:extLst>
           </p:cNvSpPr>
@@ -990,10 +958,9 @@
             <a:pPr>
               <a:defRPr lang="de-de"/>
             </a:pPr>
-            <a:fld id="{1F51595A-14F2-04AF-BCE9-E2FA17A74AB7}" type="slidenum">
+            <a:fld id="{104E3143-0DFD-1BC7-B3F6-FB927FB845AE}" type="slidenum">
               <a:t>‹#›</a:t>
             </a:fld>
-            <a:endParaRPr/>
           </a:p>
         </p:txBody>
       </p:sp>
@@ -1205,7 +1172,7 @@
 </file>
 
 <file path=ppt/notesSlides/notesSlide1.xml><?xml version="1.0" encoding="utf-8"?>
-<p:notes xmlns:a="http://schemas.openxmlformats.org/drawingml/2006/main" xmlns:r="http://schemas.openxmlformats.org/officeDocument/2006/relationships" xmlns:p="http://schemas.openxmlformats.org/presentationml/2006/main" showMasterSp="0">
+<p:notes xmlns:p="http://schemas.openxmlformats.org/presentationml/2006/main" xmlns:p14="http://schemas.microsoft.com/office/powerpoint/2010/main" xmlns:r="http://schemas.openxmlformats.org/officeDocument/2006/relationships" xmlns:a="http://schemas.openxmlformats.org/drawingml/2006/main" showMasterSp="0">
   <p:cSld>
     <p:bg>
       <p:bgPr>
@@ -1233,10 +1200,10 @@
         <p:nvSpPr>
           <p:cNvPr id="2" name="Folienbildplatzhalter 1"/>
           <p:cNvSpPr>
-            <a:spLocks noGrp="1" noRot="1" noChangeAspect="1" noChangeArrowheads="1"/>
-            <a:extLst>
-              <a:ext uri="smNativeData">
-                <pr:smNativeData xmlns:pr="smNativeData" xmlns:p14="http://schemas.microsoft.com/office/powerpoint/2010/main" xmlns="" val="SMDATA_13_ec9PYBMAAAAlAAAAZAAAAC0AAAAAkAAAAEgAAACQAAAASAAAAAAAAAABAAAAAAAAAAEAAABQAAAAAAAAAAAA4D8AAAAAAADgPwAAAAAAAOA/AAAAAAAA4D8AAAAAAADgPwAAAAAAAOA/AAAAAAAA4D8AAAAAAADgPwAAAAAAAOA/AAAAAAAA4D8CAAAAjAAAAAAAAAAAAAAAT4G9DP///wgAAAAAAAAAAAAAAAAAAAAAAAAAAAAAAAAAAAAAZAAAAAEAAABAAAAAAAAAAAAAAAAAAAAAAAAAAAAAAAAAAAAAAAAAAAAAAAAAAAAAAAAAAAAAAAAAAAAAAAAAAAAAAAAAAAAAAAAAAAAAAAAAAAAAAAAAAAAAAAAAAAAAFAAAADwAAAABAAAAAAAAAAAAAAAUAAAAAQAAACMAAAAjAAAAIwAAAB4AAAAAAAAAZAAAAGQAAAAAAAAAZAAAAGQAAAAVAAAAYAAAAAAAAAAAAAAADwAAACADAAAAAAAAAAAAAAEAAACgMgAAVgcAAKr4//8BAAAAf39/AAEAAABkAAAAAAAAABQAAABAHwAAAAAAACYAAAAAAAAAwOD//wAAAAAmAAAAZAAAABYAAABMAAAAAAAAAAAAAAAEAAAAAAAAAAEAAADu7OEKAAAAACgAAAAoAAAAZAAAAGQAAAAAAAAAzMzMAAAAAABQAAAAUAAAAGQAAABkAAAAAAAAABcAAAAUAAAAAAAAAAAAAAD/fwAA/38AAAAAAAAJAAAABAAAAAAAAAAMAAAAEAAAAAAAAAAAAAAAAAAAAAAAAAAeAAAAaAAAAAAAAAAAAAAAAAAAAAAAAAAAAAAAECcAABAnAAAAAAAAAAAAAAAAAAAAAAAAAAAAAAAAAAAAAAAAAAAAABQAAAAAAAAAwMD/AAAAAABkAAAAMgAAAAAAAABkAAAAAAAAAH9/fwAKAAAAHwAAAFQAAAAAAAAFAAAAAQAAAAAAAAAAAAAAAAAAAAAAAAAAAAAAAAAAAAAAAAAAAAAAAH9/fwAAAAADzMzMAMDA/wB/f38AAAAAAAAAAAAAAAAAAAAAAAAAAAAhAAAAGAAAABQAAAAAGQAAgQQAAAA3AAABGwAAEAAAACYAAAAIAAAAAQAAAAAAAAA="/>
+            <a:spLocks noGrp="1" noChangeArrowheads="1"/>
+            <a:extLst>
+              <a:ext uri="smNativeData">
+                <pr:smNativeData xmlns:pr="smNativeData" val="SMDATA_13_eIVQYBMAAAAlAAAAZAAAAC0AAAAAkAAAAEgAAACQAAAASAAAAAAAAAABAAAAAAAAAAEAAABQAAAAAAAAAAAA4D8AAAAAAADgPwAAAAAAAOA/AAAAAAAA4D8AAAAAAADgPwAAAAAAAOA/AAAAAAAA4D8AAAAAAADgPwAAAAAAAOA/AAAAAAAA4D8CAAAAjAAAAAAAAAAAAAAAT4G9DP///wgAAAAAAAAAAAAAAAAAAAAAAAAAAAAAAAAAAAAAZAAAAAEAAABAAAAAAAAAAAAAAAAAAAAAAAAAAAAAAAAAAAAAAAAAAAAAAAAAAAAAAAAAAAAAAAAAAAAAAAAAAAAAAAAAAAAAAAAAAAAAAAAAAAAAAAAAAAAAAAAAAAAAFAAAADwAAAABAAAAAAAAAAAAAAAUAAAAAQAAACMAAAAjAAAAIwAAAB4AAAAAAAAAZAAAAGQAAAAAAAAAZAAAAGQAAAAVAAAAYAAAAAAAAAAAAAAADwAAACADAAAAAAAAAAAAAAEAAACgMgAAVgcAAKr4//8BAAAAf39/AAEAAABkAAAAAAAAABQAAABAHwAAAAAAACYAAAAAAAAAwOD//wAAAAAmAAAAZAAAABYAAABMAAAAAAAAAAAAAAAEAAAAAAAAAAEAAADu7OEKAAAAACgAAAAoAAAAZAAAAGQAAAAAAAAAzMzMAAAAAABQAAAAUAAAAGQAAABkAAAAAAAAABcAAAAUAAAAAAAAAAAAAAD/fwAA/38AAAAAAAAJAAAABAAAAIwXAAAMAAAAEAAAAAAAAAAAAAAAAAAAAAAAAAAeAAAAaAAAAAAAAAAAAAAAAAAAAAAAAAAAAAAAECcAABAnAAAAAAAAAAAAAAAAAAAAAAAAAAAAAAAAAAAAAAAAAAAAABQAAAAAAAAAwMD/AAAAAABkAAAAMgAAAAAAAABkAAAAAAAAAH9/fwAKAAAAHwAAAFQAAAAAAAAFAAAAAQAAAAAAAAAAAAAAAAAAAAAAAAAAAAAAAAAAAAAAAAAAAAAAAH9/fwAAAAADzMzMAMDA/wB/f38AAAAAAAAAAAAAAAAAAAAAAAAAAAAhAAAAGAAAABQAAAAAGQAAgQQAAAA3AAABGwAAEAAAACYAAAAIAAAAAQ4AAAAAAAA="/>
               </a:ext>
             </a:extLst>
           </p:cNvSpPr>
@@ -1258,7 +1225,7 @@
             <a:spLocks noGrp="1" noChangeArrowheads="1"/>
             <a:extLst>
               <a:ext uri="smNativeData">
-                <pr:smNativeData xmlns:pr="smNativeData" xmlns:p14="http://schemas.microsoft.com/office/powerpoint/2010/main" xmlns="" val="SMDATA_13_ec9PYBMAAAAlAAAAZAAAAA0AAAAAkAAAAEgAAACQAAAASAAAAAAAAAAAAAAAAAAAAAEAAABQAAAAAAAAAAAA4D8AAAAAAADgPwAAAAAAAOA/AAAAAAAA4D8AAAAAAADgPwAAAAAAAOA/AAAAAAAA4D8AAAAAAADgPwAAAAAAAOA/AAAAAAAA4D8CAAAAjAAAAAAAAAAAAAAA////AP///wgAAAAAAAAAAAAAAAAAAAAAAAAAAAAAAAAAAAAAeAAAAAEAAABAAAAAAAAAAAAAAABaAAAAAAAAAAAAAAAAAAAAAAAAAAAAAAAAAAAAAAAAAAAAAAAAAAAAAAAAAAAAAAAAAAAAAAAAAAAAAAAAAAAAAAAAAAAAAAAAAAAAFAAAADwAAAAAAAAAAAAAAAAAAAAPAAAAAQAAACMAAAAjAAAAIwAAAB4AAAAAAAAAZAAAAGQAAAAAAAAAZAAAAGQAAAAVAAAAYAAAAAAAAAAAAAAADwAAACADAAAAAAAAAAAAAAEAAACgMgAAVgcAAKr4//8BAAAAf39/AAEAAABkAAAAAAAAABQAAABAHwAAAAAAACYAAAAAAAAAwOD//wAAAAAmAAAAZAAAABYAAABMAAAAAAAAAAAAAAAEAAAAAAAAAAEAAADu7OEKAAAAACgAAAAoAAAAZAAAAGQAAAAAAAAAzMzMAAAAAABQAAAAUAAAAGQAAABkAAAAAAAAABcAAAAUAAAAAAAAAAAAAAD/fwAA/38AAAAAAAAJAAAABAAAAAAAAQAMAAAAEAAAAAAAAAAAAAAAAAAAAAAAAAAeAAAAaAAAAAAAAAAAAAAAAAAAAAAAAAAAAAAAECcAABAnAAAAAAAAAAAAAAAAAAAAAAAAAAAAAAAAAAAAAAAAAAAAABQAAAAAAAAAwMD/AAAAAABkAAAAMgAAAAAAAABkAAAAAAAAAH9/fwAKAAAAHwAAAFQAAAD///8AAAAAAQAAAAAAAAAAAAAAAAAAAAAAAAAAAAAAAAAAAAAAAAAAAAAAAH9/fwAAAAADzMzMAMDA/wB/f38AAAAAAAAAAAAAAAAAAAAAAAAAAAAhAAAAGAAAABQAAAAACAAAfxwAAAFIAACANwAAEAAAACYAAAAIAAAAASAAAAAAAAA="/>
+                <pr:smNativeData xmlns:pr="smNativeData" val="SMDATA_13_eIVQYBMAAAAlAAAAZAAAAA0AAAAAkAAAAEgAAACQAAAASAAAAAAAAAAAAAAAAAAAAAEAAABQAAAAAAAAAAAA4D8AAAAAAADgPwAAAAAAAOA/AAAAAAAA4D8AAAAAAADgPwAAAAAAAOA/AAAAAAAA4D8AAAAAAADgPwAAAAAAAOA/AAAAAAAA4D8CAAAAjAAAAAAAAAAAAAAAT4G9DP///wgAAAAAAAAAAAAAAAAAAAAAAAAAAAAAAAAAAAAAZAAAAAEAAABAAAAAAAAAAAAAAAAAAAAAAAAAAAAAAAAAAAAAAAAAAAAAAAAAAAAAAAAAAAAAAAAAAAAAAAAAAAAAAAAAAAAAAAAAAAAAAAAAAAAAAAAAAAAAAAAAAAAAFAAAADwAAAAAAAAAAAAAAAAAAAkUAAAAAQAAABQAAAAUAAAAFAAAAAEAAAAAAAAAZAAAAGQAAAAAAAAAZAAAAGQAAAAVAAAAYAAAAAAAAAAAAAAADwAAACADAAAAAAAAAAAAAAEAAACgMgAAVgcAAKr4//8BAAAAf39/AAEAAABkAAAAAAAAABQAAABAHwAAAAAAACYAAAAAAAAAwOD//wAAAAAmAAAAZAAAABYAAABMAAAAAAAAAAAAAAAEAAAAAAAAAAEAAADu7OEKAAAAACgAAAAoAAAAZAAAAGQAAAAAAAAAzMzMAAAAAABQAAAAUAAAAGQAAABkAAAAAAAAABcAAAAUAAAAAAAAAAAAAAD/fwAA/38AAAAAAAAJAAAABAAAAAAAAAAMAAAAEAAAAAAAAAAAAAAAAAAAAAAAAAAeAAAAaAAAAAAAAAAAAAAAAAAAAAAAAAAAAAAAECcAABAnAAAAAAAAAAAAAAAAAAAAAAAAAAAAAAAAAAAAAAAAAAAAABQAAAAAAAAAwMD/AAAAAABkAAAAMgAAAAAAAABkAAAAAAAAAH9/fwAKAAAAHwAAAFQAAAAAAAAFAAAAAQAAAAAAAAAAAAAAAAAAAAAAAAAAAAAAAAAAAAAAAAAAAAAAAn9/fwAAAAADzMzMAMDA/wB/f38AAAAAAAAAAAAAAAAAAAAAAAAAAAAhAAAAGAAAABQAAAAACAAAfxwAAAFIAACANwAAEAAAACYAAAAIAAAAvx4AAAAAAAA="/>
               </a:ext>
             </a:extLst>
           </p:cNvSpPr>
@@ -1283,7 +1250,6 @@
             <a:pPr>
               <a:defRPr lang="de-de"/>
             </a:pPr>
-            <a:endParaRPr/>
           </a:p>
         </p:txBody>
       </p:sp>
@@ -1296,7 +1262,7 @@
 </file>
 
 <file path=ppt/slideLayouts/slideLayout1.xml><?xml version="1.0" encoding="utf-8"?>
-<p:sldLayout xmlns:a="http://schemas.openxmlformats.org/drawingml/2006/main" xmlns:r="http://schemas.openxmlformats.org/officeDocument/2006/relationships" xmlns:p="http://schemas.openxmlformats.org/presentationml/2006/main" type="blank" preserve="1">
+<p:sldLayout xmlns:p="http://schemas.openxmlformats.org/presentationml/2006/main" xmlns:p14="http://schemas.microsoft.com/office/powerpoint/2010/main" xmlns:r="http://schemas.openxmlformats.org/officeDocument/2006/relationships" xmlns:a="http://schemas.openxmlformats.org/drawingml/2006/main" type="blank" preserve="1">
   <p:cSld name="Titel">
     <p:bg>
       <p:bgPr>
@@ -1327,7 +1293,7 @@
             <a:spLocks noGrp="1" noChangeArrowheads="1"/>
             <a:extLst>
               <a:ext uri="smNativeData">
-                <pr:smNativeData xmlns:pr="smNativeData" xmlns:p14="http://schemas.microsoft.com/office/powerpoint/2010/main" xmlns="" val="SMDATA_13_ec9PYBMAAAAlAAAAZAAAAE0AAAAAAAAAAAAAAAAAAAAAAAAAAAAAAAAAAAAAAAAAAAEAAABQAAAAAAAAAAAA4D8AAAAAAADgPwAAAAAAAOA/AAAAAAAA4D8AAAAAAADgPwAAAAAAAOA/AAAAAAAA4D8AAAAAAADgPwAAAAAAAOA/AAAAAAAA4D8CAAAAjAAAAAAAAAAAAAAAT4G9DP///wgAAAAAAAAAAAAAAAAAAAAAAAAAAAAAAAAAAAAAZAAAAAEAAABAAAAAAAAAAAAAAAAAAAAAAAAAAAAAAAAAAAAAAAAAAAAAAAAAAAAAAAAAAAAAAAAAAAAAAAAAAAAAAAAAAAAAAAAAAAAAAAAAAAAAAAAAAAAAAAAAAAAAFAAAADwAAAAAAAAAAAAAAAAAAAkUAAAAAQAAABQAAAAUAAAAFAAAAAEAAAAAAAAAZAAAAGQAAAAAAAAAZAAAAGQAAAAVAAAAYAAAAAAAAAAAAAAADwAAACADAAAAAAAAAAAAAAEAAACgMgAAVgcAAKr4//8BAAAAf39/AAEAAABkAAAAAAAAABQAAABAHwAAAAAAACYAAAAAAAAAwOD//wAAAAAmAAAAZAAAABYAAABMAAAAAAAAAAAAAAAEAAAAAAAAAAEAAADu7OEKAAAAACgAAAAoAAAAZAAAAGQAAAAAAAAAzMzMAAAAAABQAAAAUAAAAGQAAABkAAAAAAAAABcAAAAUAAAAAAAAAAAAAAD/fwAA/38AAAAAAAAJAAAABAAAAGxyPjwMAAAAEAAAAAAAAAAAAAAAAAAAAAAAAAAeAAAAaAAAAAAAAAAAAAAAAAAAAAAAAAAAAAAAECcAABAnAAAAAAAAAAAAAAAAAAAAAAAAAAAAAAAAAAAAAAAAAAAAABQAAAAAAAAAwMD/AAAAAABkAAAAMgAAAAAAAABkAAAAAAAAAH9/fwAKAAAAHwAAAFQAAABPgb0F////AQAAAAAAAAAAAAAAAAAAAAAAAAAAAAAAAAAAAAAAAAAAAAAAAn9/fwDu7OEDzMzMAMDA/wB/f38AAAAAAAAAAAAAAAAAAAAAAAAAAAAhAAAAGAAAABQAAADIBQAAoCMAAMg9AADmJQAAECAAACYAAAAIAAAAPbAAAAAAAAA="/>
+                <pr:smNativeData xmlns:pr="smNativeData" val="SMDATA_13_eIVQYBMAAAAlAAAAZAAAAA0AAAAAAAAAAAAAAAAAAAAAAAAAAAAAAAAAAAAAAAAAAAEAAABQAAAAAAAAAAAA4D8AAAAAAADgPwAAAAAAAOA/AAAAAAAA4D8AAAAAAADgPwAAAAAAAOA/AAAAAAAA4D8AAAAAAADgPwAAAAAAAOA/AAAAAAAA4D8CAAAAjAAAAAAAAAAAAAAA////AP///wgAAAAAAAAAAAAAAAAAAAAAAAAAAAAAAAAAAAAAeAAAAAEAAABAAAAAAAAAAAAAAABaAAAAAAAAAAAAAAAAAAAAAAAAAAAAAAAAAAAAAAAAAAAAAAAAAAAAAAAAAAAAAAAAAAAAAAAAAAAAAAAAAAAAAAAAAAAAAAAAAAAAFAAAADwAAAAAAAAAAAAAAAAAAAAPAAAAAQAAACMAAAAjAAAAIwAAAB4AAAAAAAAAZAAAAGQAAAAAAAAAZAAAAGQAAAAVAAAAYAAAAAAAAAAAAAAADwAAACADAAAAAAAAAAAAAAEAAACgMgAAVgcAAKr4//8BAAAAf39/AAEAAABkAAAAAAAAABQAAABAHwAAAAAAACYAAAAAAAAAwOD//wAAAAAmAAAAZAAAABYAAABMAAAAAAAAAAAAAAAEAAAAAAAAAAEAAADu7OEKAAAAACgAAAAoAAAAZAAAAGQAAAAAAAAAzMzMAAAAAABQAAAAUAAAAGQAAABkAAAAAAAAABcAAAAUAAAAAAAAAAAAAAD/fwAA/38AAAAAAAAJAAAABAAAAEEAQQAMAAAAEAAAAAAAAAAAAAAAAAAAAAAAAAAeAAAAaAAAAAAAAAAAAAAAAAAAAAAAAAAAAAAAECcAABAnAAAAAAAAAAAAAAAAAAAAAAAAAAAAAAAAAAAAAAAAAAAAABQAAAAAAAAAwMD/AAAAAABkAAAAMgAAAAAAAABkAAAAAAAAAH9/fwAKAAAAHwAAAFQAAAD///8AAAAAAQAAAAAAAAAAAAAAAAAAAAAAAAAAAAAAAAAAAAAAAAAAAAAAAH9/fwAAAAADzMzMAMDA/wB/f38AAAAAAAAAAAAAAAAAAAAAAAAAAAAhAAAAGAAAABQAAADIBQAAoCMAAMg9AADmJQAAEAAAACYAAAAIAAAAPZAAAAAAAAA="/>
               </a:ext>
             </a:extLst>
           </p:cNvSpPr>
@@ -1389,7 +1355,6 @@
             <a:pPr>
               <a:defRPr lang="de-de"/>
             </a:pPr>
-            <a:endParaRPr/>
           </a:p>
         </p:txBody>
       </p:sp>
@@ -1400,7 +1365,7 @@
             <a:spLocks noGrp="1" noChangeArrowheads="1"/>
             <a:extLst>
               <a:ext uri="smNativeData">
-                <pr:smNativeData xmlns:pr="smNativeData" xmlns:p14="http://schemas.microsoft.com/office/powerpoint/2010/main" xmlns="" val="SMDATA_13_ec9PYBMAAAAlAAAAZAAAAE0AAAAAAAAAAAAAAAAAAAAAAAAAAAAAAAAAAAAAAAAAAAEAAABQAAAAAAAAAAAA4D8AAAAAAADgPwAAAAAAAOA/AAAAAAAA4D8AAAAAAADgPwAAAAAAAOA/AAAAAAAA4D8AAAAAAADgPwAAAAAAAOA/AAAAAAAA4D8CAAAAjAAAAAAAAAAAAAAAT4G9DP///wgAAAAAAAAAAAAAAAAAAAAAAAAAAAAAAAAAAAAAZAAAAAEAAABAAAAAAAAAAAAAAAAAAAAAAAAAAAAAAAAAAAAAAAAAAAAAAAAAAAAAAAAAAAAAAAAAAAAAAAAAAAAAAAAAAAAAAAAAAAAAAAAAAAAAAAAAAAAAAAAAAAAAFAAAADwAAAAAAAAAAAAAAAAAAAkUAAAAAQAAABQAAAAUAAAAFAAAAAEAAAAAAAAAZAAAAGQAAAAAAAAAZAAAAGQAAAAVAAAAYAAAAAAAAAAAAAAADwAAACADAAAAAAAAAAAAAAEAAACgMgAAVgcAAKr4//8BAAAAf39/AAEAAABkAAAAAAAAABQAAABAHwAAAAAAACYAAAAAAAAAwOD//wAAAAAmAAAAZAAAABYAAABMAAAAAAAAAAAAAAAEAAAAAAAAAAEAAADu7OEKAAAAACgAAAAoAAAAZAAAAGQAAAAAAAAAzMzMAAAAAABQAAAAUAAAAGQAAABkAAAAAAAAABcAAAAUAAAAAAAAAAAAAAD/fwAA/38AAAAAAAAJAAAABAAAAAAAAAAMAAAAEAAAAAAAAAAAAAAAAAAAAAAAAAAeAAAAaAAAAAAAAAAAAAAAAAAAAAAAAAAAAAAAECcAABAnAAAAAAAAAAAAAAAAAAAAAAAAAAAAAAAAAAAAAAAAAAAAABQAAAAAAAAAwMD/AAAAAABkAAAAMgAAAAAAAABkAAAAAAAAAH9/fwAKAAAAHwAAAFQAAABPgb0F////AQAAAAAAAAAAAAAAAAAAAAAAAAAAAAAAAAAAAAAAAAAAAAAAAn9/fwDu7OEDzMzMAMDA/wB/f38AAAAAAAAAAAAAAAAAAAAAAAAAAAAhAAAAGAAAABQAAACSBQAAmBwAAERIAABGIgAAECAAACYAAAAIAAAAAYAAAAAAAAA="/>
+                <pr:smNativeData xmlns:pr="smNativeData" val="SMDATA_13_eIVQYBMAAAAlAAAAZAAAAA0AAAAAAAAAAAAAAAAAAAAAAAAAAAAAAAAAAAAAAAAAAAEAAABQAAAAAAAAAAAA4D8AAAAAAADgPwAAAAAAAOA/AAAAAAAA4D8AAAAAAADgPwAAAAAAAOA/AAAAAAAA4D8AAAAAAADgPwAAAAAAAOA/AAAAAAAA4D8CAAAAjAAAAAAAAAAAAAAA////AP///wgAAAAAAAAAAAAAAAAAAAAAAAAAAAAAAAAAAAAAeAAAAAEAAABAAAAAAAAAAAAAAABaAAAAAAAAAAAAAAAAAAAAAAAAAAAAAAAAAAAAAAAAAAAAAAAAAAAAAAAAAAAAAAAAAAAAAAAAAAAAAAAAAAAAAAAAAAAAAAAAAAAAFAAAADwAAAAAAAAAAAAAAAAAAAAPAAAAAQAAACMAAAAjAAAAIwAAAB4AAAAAAAAAZAAAAGQAAAAAAAAAZAAAAGQAAAAVAAAAYAAAAAAAAAAAAAAADwAAACADAAAAAAAAAAAAAAEAAACgMgAAVgcAAKr4//8BAAAAf39/AAEAAABkAAAAAAAAABQAAABAHwAAAAAAACYAAAAAAAAAwOD//wAAAAAmAAAAZAAAABYAAABMAAAAAAAAAAAAAAAEAAAAAAAAAAEAAADu7OEKAAAAACgAAAAoAAAAZAAAAGQAAAAAAAAAzMzMAAAAAABQAAAAUAAAAGQAAABkAAAAAAAAABcAAAAUAAAAAAAAAAAAAAD/fwAA/38AAAAAAAAJAAAABAAAADgAQQAMAAAAEAAAAAAAAAAAAAAAAAAAAAAAAAAeAAAAaAAAAAAAAAAAAAAAAAAAAAAAAAAAAAAAECcAABAnAAAAAAAAAAAAAAAAAAAAAAAAAAAAAAAAAAAAAAAAAAAAABQAAAAAAAAAwMD/AAAAAABkAAAAMgAAAAAAAABkAAAAAAAAAH9/fwAKAAAAHwAAAFQAAAD///8AAAAAAQAAAAAAAAAAAAAAAAAAAAAAAAAAAAAAAAAAAAAAAAAAAAAAAH9/fwAAAAADzMzMAMDA/wB/f38AAAAAAAAAAAAAAAAAAAAAAAAAAAAhAAAAGAAAABQAAACSBQAAmBwAAERIAABGIgAAEAAAACYAAAAIAAAAAYAAAAAAAAA="/>
               </a:ext>
             </a:extLst>
           </p:cNvSpPr>
@@ -1469,7 +1434,7 @@
             <a:spLocks noGrp="1" noChangeArrowheads="1"/>
             <a:extLst>
               <a:ext uri="smNativeData">
-                <pr:smNativeData xmlns:pr="smNativeData" xmlns:p14="http://schemas.microsoft.com/office/powerpoint/2010/main" xmlns="" val="SMDATA_13_ec9PYBMAAAAlAAAAZAAAAE0AAAAAAAAAAAAAAAAAAAAAAAAAAAAAAAAAAAAAAAAAAAEAAABQAAAAAAAAAAAA4D8AAAAAAADgPwAAAAAAAOA/AAAAAAAA4D8AAAAAAADgPwAAAAAAAOA/AAAAAAAA4D8AAAAAAADgPwAAAAAAAOA/AAAAAAAA4D8CAAAAjAAAAAAAAAAAAAAAT4G9DP///wgAAAAAAAAAAAAAAAAAAAAAAAAAAAAAAAAAAAAAZAAAAAEAAABAAAAAAAAAAAAAAAAAAAAAAAAAAAAAAAAAAAAAAAAAAAAAAAAAAAAAAAAAAAAAAAAAAAAAAAAAAAAAAAAAAAAAAAAAAAAAAAAAAAAAAAAAAAAAAAAAAAAAFAAAADwAAAAAAAAAAAAAAAAAAAkUAAAAAQAAABQAAAAUAAAAFAAAAAEAAAAAAAAAZAAAAGQAAAAAAAAAZAAAAGQAAAAVAAAAYAAAAAAAAAAAAAAADwAAACADAAAAAAAAAAAAAAEAAACgMgAAVgcAAKr4//8BAAAAf39/AAEAAABkAAAAAAAAABQAAABAHwAAAAAAACYAAAAAAAAAwOD//wAAAAAmAAAAZAAAABYAAABMAAAAAAAAAAAAAAAEAAAAAAAAAAEAAADu7OEKAAAAACgAAAAoAAAAZAAAAGQAAAAAAAAAzMzMAAAAAABQAAAAUAAAAGQAAABkAAAAAAAAABcAAAAUAAAAAAAAAAAAAAD/fwAA/38AAAAAAAAJAAAABAAAAHR5bGUMAAAAEAAAAAAAAAAAAAAAAAAAAAAAAAAeAAAAaAAAAAAAAAAAAAAAAAAAAAAAAAAAAAAAECcAABAnAAAAAAAAAAAAAAAAAAAAAAAAAAAAAAAAAAAAAAAAAAAAABQAAAAAAAAAwMD/AAAAAABkAAAAMgAAAAAAAABkAAAAAAAAAH9/fwAKAAAAHwAAAFQAAABPgb0F////AQAAAAAAAAAAAAAAAAAAAAAAAAAAAAAAAAAAAAAAAAAAAAAAAn9/fwDu7OEDzMzMAMDA/wB/f38AAAAAAAAAAAAAAAAAAAAAAAAAAAAhAAAAGAAAABQAAADIBQAAyBkAAGg4AACZGwAAECAAACYAAAAIAAAAPYAAAAAAAAA="/>
+                <pr:smNativeData xmlns:pr="smNativeData" val="SMDATA_13_eIVQYBMAAAAlAAAAZAAAAA0AAAAAAAAAAAAAAAAAAAAAAAAAAAAAAAAAAAAAAAAAAAEAAABQAAAAAAAAAAAA4D8AAAAAAADgPwAAAAAAAOA/AAAAAAAA4D8AAAAAAADgPwAAAAAAAOA/AAAAAAAA4D8AAAAAAADgPwAAAAAAAOA/AAAAAAAA4D8CAAAAjAAAAAAAAAAAAAAA////AP///wgAAAAAAAAAAAAAAAAAAAAAAAAAAAAAAAAAAAAAeAAAAAEAAABAAAAAAAAAAAAAAABaAAAAAAAAAAAAAAAAAAAAAAAAAAAAAAAAAAAAAAAAAAAAAAAAAAAAAAAAAAAAAAAAAAAAAAAAAAAAAAAAAAAAAAAAAAAAAAAAAAAAFAAAADwAAAAAAAAAAAAAAAAAAAAPAAAAAQAAACMAAAAjAAAAIwAAAB4AAAAAAAAAZAAAAGQAAAAAAAAAZAAAAGQAAAAVAAAAYAAAAAAAAAAAAAAADwAAACADAAAAAAAAAAAAAAEAAACgMgAAVgcAAKr4//8BAAAAf39/AAEAAABkAAAAAAAAABQAAABAHwAAAAAAACYAAAAAAAAAwOD//wAAAAAmAAAAZAAAABYAAABMAAAAAAAAAAAAAAAEAAAAAAAAAAEAAADu7OEKAAAAACgAAAAoAAAAZAAAAGQAAAAAAAAAzMzMAAAAAABQAAAAUAAAAGQAAABkAAAAAAAAABcAAAAUAAAAAAAAAAAAAAD/fwAA/38AAAAAAAAJAAAABAAAAAAAAAAMAAAAEAAAAAAAAAAAAAAAAAAAAAAAAAAeAAAAaAAAAAAAAAAAAAAAAAAAAAAAAAAAAAAAECcAABAnAAAAAAAAAAAAAAAAAAAAAAAAAAAAAAAAAAAAAAAAAAAAABQAAAAAAAAAwMD/AAAAAABkAAAAMgAAAAAAAABkAAAAAAAAAH9/fwAKAAAAHwAAAFQAAAD///8AAAAAAQAAAAAAAAAAAAAAAAAAAAAAAAAAAAAAAAAAAAAAAAAAAAAAAH9/fwAAAAADzMzMAMDA/wB/f38AAAAAAAAAAAAAAAAAAAAAAAAAAAAhAAAAGAAAABQAAADIBQAAyBkAAGg4AACZGwAAEAAAACYAAAAIAAAAPZAAAAAAAAA="/>
               </a:ext>
             </a:extLst>
           </p:cNvSpPr>
@@ -1544,7 +1509,7 @@
 </file>
 
 <file path=ppt/slideLayouts/slideLayout2.xml><?xml version="1.0" encoding="utf-8"?>
-<p:sldLayout xmlns:a="http://schemas.openxmlformats.org/drawingml/2006/main" xmlns:r="http://schemas.openxmlformats.org/officeDocument/2006/relationships" xmlns:p="http://schemas.openxmlformats.org/presentationml/2006/main" type="blank" preserve="1">
+<p:sldLayout xmlns:p="http://schemas.openxmlformats.org/presentationml/2006/main" xmlns:p14="http://schemas.microsoft.com/office/powerpoint/2010/main" xmlns:r="http://schemas.openxmlformats.org/officeDocument/2006/relationships" xmlns:a="http://schemas.openxmlformats.org/drawingml/2006/main" type="blank" preserve="1">
   <p:cSld name="Textfolie">
     <p:spTree>
       <p:nvGrpSpPr>
@@ -1567,7 +1532,7 @@
             <a:spLocks noGrp="1" noChangeArrowheads="1"/>
             <a:extLst>
               <a:ext uri="smNativeData">
-                <pr:smNativeData xmlns:pr="smNativeData" xmlns:p14="http://schemas.microsoft.com/office/powerpoint/2010/main" xmlns="" val="SMDATA_13_ec9PYBMAAAAlAAAAZAAAAE0AAAAAAAAAAAAAAAAAAAAAAAAAAAAAAAAAAAAAAAAAAAEAAABQAAAAAAAAAAAA4D8AAAAAAADgPwAAAAAAAOA/AAAAAAAA4D8AAAAAAADgPwAAAAAAAOA/AAAAAAAA4D8AAAAAAADgPwAAAAAAAOA/AAAAAAAA4D8CAAAAjAAAAAAAAAAAAAAAT4G9DP///wgAAAAAAAAAAAAAAAAAAAAAAAAAAAAAAAAAAAAAZAAAAAEAAABAAAAAAAAAAAAAAAAAAAAAAAAAAAAAAAAAAAAAAAAAAAAAAAAAAAAAAAAAAAAAAAAAAAAAAAAAAAAAAAAAAAAAAAAAAAAAAAAAAAAAAAAAAAAAAAAAAAAAFAAAADwAAAAAAAAAAAAAAAAAAAkUAAAAAQAAABQAAAAUAAAAFAAAAAEAAAAAAAAAZAAAAGQAAAAAAAAAZAAAAGQAAAAVAAAAYAAAAAAAAAAAAAAADwAAACADAAAAAAAAAAAAAAEAAACgMgAAVgcAAKr4//8BAAAAf39/AAEAAABkAAAAAAAAABQAAABAHwAAAAAAACYAAAAAAAAAwOD//wAAAAAmAAAAZAAAABYAAABMAAAAAAAAAAAAAAAEAAAAAAAAAAEAAADu7OEKAAAAACgAAAAoAAAAZAAAAGQAAAAAAAAAzMzMAAAAAABQAAAAUAAAAGQAAABkAAAAAAAAABcAAAAUAAAAAAAAAAAAAAD/fwAA/38AAAAAAAAJAAAABAAAAAAAAAAMAAAAEAAAAAAAAAAAAAAAAAAAAAAAAAAeAAAAaAAAAAAAAAAAAAAAAAAAAAAAAAAAAAAAECcAABAnAAAAAAAAAAAAAAAAAAAAAAAAAAAAAAAAAAAAAAAAAAAAABQAAAAAAAAAwMD/AAAAAABkAAAAMgAAAAAAAABkAAAAAAAAAH9/fwAKAAAAHwAAAFQAAABPgb0F////AQAAAAAAAAAAAAAAAAAAAAAAAAAAAAAAAAAAAAAAAAAAAAAAAn9/fwDu7OEDzMzMAMDA/wB/f38AAAAAAAAAAAAAAAAAAAAAAAAAAAAhAAAAGAAAABQAAADIBQAAiQsAAHpIAACzDwAAECAAACYAAAAIAAAAPYAAAAAAAAA="/>
+                <pr:smNativeData xmlns:pr="smNativeData" val="SMDATA_13_eIVQYBMAAAAlAAAAZAAAAA0AAAAAAAAAAAAAAAAAAAAAAAAAAAAAAAAAAAAAAAAAAAEAAABQAAAAAAAAAAAA4D8AAAAAAADgPwAAAAAAAOA/AAAAAAAA4D8AAAAAAADgPwAAAAAAAOA/AAAAAAAA4D8AAAAAAADgPwAAAAAAAOA/AAAAAAAA4D8CAAAAjAAAAAAAAAAAAAAA////AP///wgAAAAAAAAAAAAAAAAAAAAAAAAAAAAAAAAAAAAAeAAAAAEAAABAAAAAAAAAAAAAAABaAAAAAAAAAAAAAAAAAAAAAAAAAAAAAAAAAAAAAAAAAAAAAAAAAAAAAAAAAAAAAAAAAAAAAAAAAAAAAAAAAAAAAAAAAAAAAAAAAAAAFAAAADwAAAAAAAAAAAAAAAAAAAAPAAAAAQAAACMAAAAjAAAAIwAAAB4AAAAAAAAAZAAAAGQAAAAAAAAAZAAAAGQAAAAVAAAAYAAAAAAAAAAAAAAADwAAACADAAAAAAAAAAAAAAEAAACgMgAAVgcAAKr4//8BAAAAf39/AAEAAABkAAAAAAAAABQAAABAHwAAAAAAACYAAAAAAAAAwOD//wAAAAAmAAAAZAAAABYAAABMAAAAAAAAAAAAAAAEAAAAAAAAAAEAAADu7OEKAAAAACgAAAAoAAAAZAAAAGQAAAAAAAAAzMzMAAAAAABQAAAAUAAAAGQAAABkAAAAAAAAABcAAAAUAAAAAAAAAAAAAAD/fwAA/38AAAAAAAAJAAAABAAAAAAAAAAMAAAAEAAAAAAAAAAAAAAAAAAAAAAAAAAeAAAAaAAAAAAAAAAAAAAAAAAAAAAAAAAAAAAAECcAABAnAAAAAAAAAAAAAAAAAAAAAAAAAAAAAAAAAAAAAAAAAAAAABQAAAAAAAAAwMD/AAAAAABkAAAAMgAAAAAAAABkAAAAAAAAAH9/fwAKAAAAHwAAAFQAAAD///8AAAAAAQAAAAAAAAAAAAAAAAAAAAAAAAAAAAAAAAAAAAAAAAAAAAAAAH9/fwAAAAADzMzMAMDA/wB/f38AAAAAAAAAAAAAAAAAAAAAAAAAAAAhAAAAGAAAABQAAADIBQAAiQsAAHpIAACzDwAAEAAAACYAAAAIAAAAPZAAAAAAAAA="/>
               </a:ext>
             </a:extLst>
           </p:cNvSpPr>
@@ -1627,7 +1592,6 @@
             <a:pPr>
               <a:defRPr lang="de-de"/>
             </a:pPr>
-            <a:endParaRPr/>
           </a:p>
         </p:txBody>
       </p:sp>
@@ -1638,7 +1602,7 @@
             <a:spLocks noGrp="1" noChangeArrowheads="1"/>
             <a:extLst>
               <a:ext uri="smNativeData">
-                <pr:smNativeData xmlns:pr="smNativeData" xmlns:p14="http://schemas.microsoft.com/office/powerpoint/2010/main" xmlns="" val="SMDATA_13_ec9PYBMAAAAlAAAAZAAAAE0AAAAAAAAAAAAAAAAAAAAAAAAAAAAAAAAAAAAAAAAAAAEAAABQAAAAAAAAAAAA4D8AAAAAAADgPwAAAAAAAOA/AAAAAAAA4D8AAAAAAADgPwAAAAAAAOA/AAAAAAAA4D8AAAAAAADgPwAAAAAAAOA/AAAAAAAA4D8CAAAAjAAAAAAAAAAAAAAAT4G9DP///wgAAAAAAAAAAAAAAAAAAAAAAAAAAAAAAAAAAAAAZAAAAAEAAABAAAAAAAAAAAAAAAAAAAAAAAAAAAAAAAAAAAAAAAAAAAAAAAAAAAAAAAAAAAAAAAAAAAAAAAAAAAAAAAAAAAAAAAAAAAAAAAAAAAAAAAAAAAAAAAAAAAAAFAAAADwAAAAAAAAAAAAAAAAAAAkUAAAAAQAAABQAAAAUAAAAFAAAAAEAAAAAAAAAZAAAAGQAAAAAAAAAZAAAAGQAAAAVAAAAYAAAAAAAAAAAAAAADwAAACADAAAAAAAAAAAAAAEAAACgMgAAVgcAAKr4//8BAAAAf39/AAEAAABkAAAAAAAAABQAAABAHwAAAAAAACYAAAAAAAAAwOD//wAAAAAmAAAAZAAAABYAAABMAAAAAAAAAAAAAAAEAAAAAAAAAAEAAADu7OEKAAAAACgAAAAoAAAAZAAAAGQAAAAAAAAAzMzMAAAAAABQAAAAUAAAAGQAAABkAAAAAAAAABcAAAAUAAAAAAAAAAAAAAD/fwAA/38AAAAAAAAJAAAABAAAAHZhbD0MAAAAEAAAAAAAAAAAAAAAAAAAAAAAAAAeAAAAaAAAAAAAAAAAAAAAAAAAAAAAAAAAAAAAECcAABAnAAAAAAAAAAAAAAAAAAAAAAAAAAAAAAAAAAAAAAAAAAAAABQAAAAAAAAAwMD/AAAAAABkAAAAMgAAAAAAAABkAAAAAAAAAH9/fwAKAAAAHwAAAFQAAABPgb0F////AQAAAAAAAAAAAAAAAAAAAAAAAAAAAAAAAAAAAAAAAAAAAAAAAn9/fwDu7OEDzMzMAMDA/wB/f38AAAAAAAAAAAAAAAAAAAAAAAAAAAAhAAAAGAAAABQAAADIBQAAwBIAAHpIAAAGFQAAECAAACYAAAAIAAAAPYAAAAAAAAA="/>
+                <pr:smNativeData xmlns:pr="smNativeData" val="SMDATA_13_eIVQYBMAAAAlAAAAZAAAAA0AAAAAAAAAAAAAAAAAAAAAAAAAAAAAAAAAAAAAAAAAAAEAAABQAAAAAAAAAAAA4D8AAAAAAADgPwAAAAAAAOA/AAAAAAAA4D8AAAAAAADgPwAAAAAAAOA/AAAAAAAA4D8AAAAAAADgPwAAAAAAAOA/AAAAAAAA4D8CAAAAjAAAAAAAAAAAAAAA////AP///wgAAAAAAAAAAAAAAAAAAAAAAAAAAAAAAAAAAAAAeAAAAAEAAABAAAAAAAAAAAAAAABaAAAAAAAAAAAAAAAAAAAAAAAAAAAAAAAAAAAAAAAAAAAAAAAAAAAAAAAAAAAAAAAAAAAAAAAAAAAAAAAAAAAAAAAAAAAAAAAAAAAAFAAAADwAAAAAAAAAAAAAAAAAAAAPAAAAAQAAACMAAAAjAAAAIwAAAB4AAAAAAAAAZAAAAGQAAAAAAAAAZAAAAGQAAAAVAAAAYAAAAAAAAAAAAAAADwAAACADAAAAAAAAAAAAAAEAAACgMgAAVgcAAKr4//8BAAAAf39/AAEAAABkAAAAAAAAABQAAABAHwAAAAAAACYAAAAAAAAAwOD//wAAAAAmAAAAZAAAABYAAABMAAAAAAAAAAAAAAAEAAAAAAAAAAEAAADu7OEKAAAAACgAAAAoAAAAZAAAAGQAAAAAAAAAzMzMAAAAAABQAAAAUAAAAGQAAABkAAAAAAAAABcAAAAUAAAAAAAAAAAAAAD/fwAA/38AAAAAAAAJAAAABAAAAAAAAAAMAAAAEAAAAAAAAAAAAAAAAAAAAAAAAAAeAAAAaAAAAAAAAAAAAAAAAAAAAAAAAAAAAAAAECcAABAnAAAAAAAAAAAAAAAAAAAAAAAAAAAAAAAAAAAAAAAAAAAAABQAAAAAAAAAwMD/AAAAAABkAAAAMgAAAAAAAABkAAAAAAAAAH9/fwAKAAAAHwAAAFQAAAD///8AAAAAAQAAAAAAAAAAAAAAAAAAAAAAAAAAAAAAAAAAAAAAAAAAAAAAAH9/fwAAAAADzMzMAMDA/wB/f38AAAAAAAAAAAAAAAAAAAAAAAAAAAAhAAAAGAAAABQAAADIBQAAwBIAAHpIAAAGFQAAEAAAACYAAAAIAAAAPZAAAAAAAAA="/>
               </a:ext>
             </a:extLst>
           </p:cNvSpPr>
@@ -1698,18 +1662,17 @@
             <a:pPr>
               <a:defRPr lang="de-de"/>
             </a:pPr>
-            <a:endParaRPr/>
           </a:p>
         </p:txBody>
       </p:sp>
       <p:sp>
         <p:nvSpPr>
           <p:cNvPr id="4" name="Holder 4"/>
-          <p:cNvSpPr>
-            <a:spLocks noGrp="1" noChangeArrowheads="1"/>
-            <a:extLst>
-              <a:ext uri="smNativeData">
-                <pr:smNativeData xmlns:pr="smNativeData" xmlns:p14="http://schemas.microsoft.com/office/powerpoint/2010/main" xmlns="" val="SMDATA_13_ec9PYBMAAAAlAAAAZAAAAA0AAAAAAAAAAAAAAAAAAAAAAAAAAAAAAAAAAAAAAAAAAAEAAABQAAAAAAAAAAAA4D8AAAAAAADgPwAAAAAAAOA/AAAAAAAA4D8AAAAAAADgPwAAAAAAAOA/AAAAAAAA4D8AAAAAAADgPwAAAAAAAOA/AAAAAAAA4D8CAAAAjAAAAAAAAAAAAAAAT4G9DP///wgAAAAAAAAAAAAAAAAAAAAAAAAAAAAAAAAAAAAAZAAAAAEAAABAAAAAAAAAAAAAAAAAAAAAAAAAAAAAAAAAAAAAAAAAAAAAAAAAAAAAAAAAAAAAAAAAAAAAAAAAAAAAAAAAAAAAAAAAAAAAAAAAAAAAAAAAAAAAAAAAAAAAFAAAADwAAAAAAAAAAAAAAAAAAAkUAAAAAQAAABQAAAAUAAAAFAAAAAEAAAAAAAAAZAAAAGQAAAAAAAAAZAAAAGQAAAAVAAAAYAAAAAAAAAAAAAAADwAAACADAAAAAAAAAAAAAAEAAACgMgAAVgcAAKr4//8BAAAAf39/AAEAAABkAAAAAAAAABQAAABAHwAAAAAAACYAAAAAAAAAwOD//wAAAAAmAAAAZAAAABYAAABMAAAAAAAAAAAAAAAEAAAAAAAAAAEAAADu7OEKAAAAACgAAAAoAAAAZAAAAGQAAAAAAAAAzMzMAAAAAABQAAAAUAAAAGQAAABkAAAAAAAAABcAAAAUAAAAAAAAAAAAAAD/fwAA/38AAAAAAAAJAAAABAAAAAAAAAAMAAAAEAAAAAAAAAAAAAAAAAAAAAAAAAAeAAAAaAAAAAAAAAAAAAAAAAAAAAAAAAAAAAAAECcAABAnAAAAAAAAAAAAAAAAAAAAAAAAAAAAAAAAAAAAAAAAAAAAABQAAAAAAAAAwMD/AAAAAABkAAAAMgAAAAAAAABkAAAAAAAAAH9/fwAKAAAAHwAAAFQAAABPgb0F////AQAAAAAAAAAAAAAAAAAAAAAAAAAAAAAAAAAAAAAAAAAAAAAAAn9/fwDu7OEDzMzMAMDA/wB/f38AAAAAAAAAAAAAAAAAAAAAAAAAAAAhAAAAGAAAABQAAAAAAAAAAAAAAAAAAAAAAAAAAAAAACYAAAAIAAAAPIAAAAAAAAA="/>
+          <p:cNvSpPr txBox="1">
+            <a:spLocks noGrp="1" noChangeArrowheads="1"/>
+            <a:extLst>
+              <a:ext uri="smNativeData">
+                <pr:smNativeData xmlns:pr="smNativeData" val="SMDATA_13_eIVQYBMAAAAlAAAAEgAAAA0AAAAAAAAAAAAAAAAAAAAAAAAAAAAAAAAAAAAAAAAAAAEAAABQAAAAAAAAAAAA4D8AAAAAAADgPwAAAAAAAOA/AAAAAAAA4D8AAAAAAADgPwAAAAAAAOA/AAAAAAAA4D8AAAAAAADgPwAAAAAAAOA/AAAAAAAA4D8CAAAAjAAAAAAAAAAAAAAA////AP///wgAAAAAAAAAAAAAAAAAAAAAAAAAAAAAAAAAAAAAeAAAAAEAAABAAAAAAAAAAAAAAABaAAAAAAAAAAAAAAAAAAAAAAAAAAAAAAAAAAAAAAAAAAAAAAAAAAAAAAAAAAAAAAAAAAAAAAAAAAAAAAAAAAAAAAAAAAAAAAAAAAAAFAAAADwAAAAAAAAAAAAAAAAAAAAPAAAAAQAAACMAAAAjAAAAIwAAAB4AAAAAAAAAZAAAAGQAAAAAAAAAZAAAAGQAAAAVAAAAYAAAAAAAAAAAAAAADwAAACADAAAAAAAAAAAAAAEAAACgMgAAVgcAAKr4//8BAAAAf39/AAEAAABkAAAAAAAAABQAAABAHwAAAAAAACYAAAAAAAAAwOD//wAAAAAmAAAAZAAAABYAAABMAAAAAAAAAAAAAAAEAAAAAAAAAAEAAADu7OEKAAAAACgAAAAoAAAAZAAAAGQAAAAAAAAAzMzMAAAAAABQAAAAUAAAAGQAAABkAAAAAAAAABcAAAAUAAAAAAAAAAAAAAD/fwAA/38AAAAAAAAJAAAABAAAAEEAQQAMAAAAEAAAAAAAAAAAAAAAAAAAAAAAAAAeAAAAaAAAAAAAAAAAAAAAAAAAAAAAAAAAAAAAECcAABAnAAAAAAAAAAAAAAAAAAAAAAAAAAAAAAAAAAAAAAAAAAAAABQAAAAAAAAAwMD/AAAAAABkAAAAMgAAAAAAAABkAAAAAAAAAH9/fwAKAAAAHwAAAFQAAAD///8AAAAAAQAAAAAAAAAAAAAAAAAAAAAAAAAAAAAAAAAAAAAAAAAAAAAAAH9/fwAAAAADzMzMAMDA/wB/f38AAAAAAAAAAAAAAAAAAAAAAAAAAAAhAAAAGAAAABQAAAAAAAAAAAAAAAAAAAAAAAAAEAAAACYAAAAIAAAAPJEAAAAAAAA="/>
               </a:ext>
             </a:extLst>
           </p:cNvSpPr>
@@ -1717,7 +1680,11 @@
             <p:ph type="ftr" sz="quarter" idx="3"/>
           </p:nvPr>
         </p:nvSpPr>
-        <p:spPr/>
+        <p:spPr>
+          <a:prstGeom prst="rect">
+            <a:avLst/>
+          </a:prstGeom>
+        </p:spPr>
         <p:txBody>
           <a:bodyPr vert="horz" wrap="square" lIns="0" tIns="0" rIns="0" bIns="0" numCol="1" spcCol="215900" anchor="t">
             <a:prstTxWarp prst="textNoShape">
@@ -1765,6 +1732,7 @@
               <a:rPr lang="en-gb"/>
               <a:t>The Protection of Bystanders’ Privacy - Seminar on Privacy in Ubiquitous Computing</a:t>
             </a:r>
+            <a:endParaRPr lang="en-gb"/>
           </a:p>
         </p:txBody>
       </p:sp>
@@ -1775,7 +1743,7 @@
             <a:spLocks noGrp="1" noChangeArrowheads="1"/>
             <a:extLst>
               <a:ext uri="smNativeData">
-                <pr:smNativeData xmlns:pr="smNativeData" xmlns:p14="http://schemas.microsoft.com/office/powerpoint/2010/main" xmlns="" val="SMDATA_13_ec9PYBMAAAAlAAAAZAAAAA0AAAAAAAAAAAAAAAAAAAAAAAAAAAAAAAAAAAAAAAAAAAEAAABQAAAAAAAAAAAA4D8AAAAAAADgPwAAAAAAAOA/AAAAAAAA4D8AAAAAAADgPwAAAAAAAOA/AAAAAAAA4D8AAAAAAADgPwAAAAAAAOA/AAAAAAAA4D8CAAAAjAAAAAAAAAAAAAAAT4G9DP///wgAAAAAAAAAAAAAAAAAAAAAAAAAAAAAAAAAAAAAZAAAAAEAAABAAAAAAAAAAAAAAAAAAAAAAAAAAAAAAAAAAAAAAAAAAAAAAAAAAAAAAAAAAAAAAAAAAAAAAAAAAAAAAAAAAAAAAAAAAAAAAAAAAAAAAAAAAAAAAAAAAAAAFAAAADwAAAAAAAAAAAAAAAAAAAkUAAAAAQAAABQAAAAUAAAAFAAAAAEAAAAAAAAAZAAAAGQAAAAAAAAAZAAAAGQAAAAVAAAAYAAAAAAAAAAAAAAADwAAACADAAAAAAAAAAAAAAEAAACgMgAAVgcAAKr4//8BAAAAf39/AAEAAABkAAAAAAAAABQAAABAHwAAAAAAACYAAAAAAAAAwOD//wAAAAAmAAAAZAAAABYAAABMAAAAAAAAAAAAAAAEAAAAAAAAAAEAAADu7OEKAAAAACgAAAAoAAAAZAAAAGQAAAAAAAAAzMzMAAAAAABQAAAAUAAAAGQAAABkAAAAAAAAABcAAAAUAAAAAAAAAAAAAAD/fwAA/38AAAAAAAAJAAAABAAAANHNIgMMAAAAEAAAAAAAAAAAAAAAAAAAAAAAAAAeAAAAaAAAAAAAAAAAAAAAAAAAAAAAAAAAAAAAECcAABAnAAAAAAAAAAAAAAAAAAAAAAAAAAAAAAAAAAAAAAAAAAAAABQAAAAAAAAAwMD/AAAAAABkAAAAMgAAAAAAAABkAAAAAAAAAH9/fwAKAAAAHwAAAFQAAABPgb0F////AQAAAAAAAAAAAAAAAAAAAAAAAAAAAAAAAAAAAAAAAAAAAAAAAn9/fwDu7OEDzMzMAMDA/wB/f38AAAAAAAAAAAAAAAAAAAAAAAAAAAAhAAAAGAAAABQAAADqAQAA4DgAAPAKAACYOgAAAAAAACYAAAAIAAAAPIAAAAAAAAA="/>
+                <pr:smNativeData xmlns:pr="smNativeData" val="SMDATA_13_eIVQYBMAAAAlAAAAZAAAAA0AAAAAAAAAAAAAAAAAAAAAAAAAAAAAAAAAAAAAAAAAAAEAAABQAAAAAAAAAAAA4D8AAAAAAADgPwAAAAAAAOA/AAAAAAAA4D8AAAAAAADgPwAAAAAAAOA/AAAAAAAA4D8AAAAAAADgPwAAAAAAAOA/AAAAAAAA4D8CAAAAjAAAAAAAAAAAAAAA////AP///wgAAAAAAAAAAAAAAAAAAAAAAAAAAAAAAAAAAAAAeAAAAAEAAABAAAAAAAAAAAAAAABaAAAAAAAAAAAAAAAAAAAAAAAAAAAAAAAAAAAAAAAAAAAAAAAAAAAAAAAAAAAAAAAAAAAAAAAAAAAAAAAAAAAAAAAAAAAAAAAAAAAAFAAAADwAAAAAAAAAAAAAAAAAAAAPAAAAAQAAACMAAAAjAAAAIwAAAB4AAAAAAAAAZAAAAGQAAAAAAAAAZAAAAGQAAAAVAAAAYAAAAAAAAAAAAAAADwAAACADAAAAAAAAAAAAAAEAAACgMgAAVgcAAKr4//8BAAAAf39/AAEAAABkAAAAAAAAABQAAABAHwAAAAAAACYAAAAAAAAAwOD//wAAAAAmAAAAZAAAABYAAABMAAAAAAAAAAAAAAAEAAAAAAAAAAEAAADu7OEKAAAAACgAAAAoAAAAZAAAAGQAAAAAAAAAzMzMAAAAAABQAAAAUAAAAGQAAABkAAAAAAAAABcAAAAUAAAAAAAAAAAAAAD/fwAA/38AAAAAAAAJAAAABAAAAAAAAAAMAAAAEAAAAAAAAAAAAAAAAAAAAAAAAAAeAAAAaAAAAAAAAAAAAAAAAAAAAAAAAAAAAAAAECcAABAnAAAAAAAAAAAAAAAAAAAAAAAAAAAAAAAAAAAAAAAAAAAAABQAAAAAAAAAwMD/AAAAAABkAAAAMgAAAAAAAABkAAAAAAAAAH9/fwAKAAAAHwAAAFQAAAD///8AAAAAAQAAAAAAAAAAAAAAAAAAAAAAAAAAAAAAAAAAAAAAAAAAAAAAAH9/fwAAAAADzMzMAMDA/wB/f38AAAAAAAAAAAAAAAAAAAAAAAAAAAAhAAAAGAAAABQAAADqAQAA4DgAAPAKAACYOgAAEAAAACYAAAAIAAAAPJAAAAAAAAA="/>
               </a:ext>
             </a:extLst>
           </p:cNvSpPr>
@@ -1792,7 +1760,7 @@
           </a:bodyPr>
           <a:lstStyle>
             <a:lvl1pPr algn="l">
-              <a:defRPr lang="de-de" sz="1500">
+              <a:defRPr lang="en-us" sz="1500">
                 <a:solidFill>
                   <a:srgbClr val="8C8C8C"/>
                 </a:solidFill>
@@ -1825,10 +1793,9 @@
           </a:lstStyle>
           <a:p>
             <a:pPr>
-              <a:defRPr lang="de-de"/>
-            </a:pPr>
-            <a:r>
-              <a:rPr lang="en-us"/>
+              <a:defRPr lang="en-us"/>
+            </a:pPr>
+            <a:r>
               <a:t>25.03.2021</a:t>
             </a:r>
           </a:p>
@@ -1841,7 +1808,7 @@
             <a:spLocks noGrp="1" noChangeArrowheads="1"/>
             <a:extLst>
               <a:ext uri="smNativeData">
-                <pr:smNativeData xmlns:pr="smNativeData" xmlns:p14="http://schemas.microsoft.com/office/powerpoint/2010/main" xmlns="" val="SMDATA_13_ec9PYBMAAAAlAAAAZAAAAA0AAAAAAAAAAAAAAAAAAAAAAAAAAAAAAAAAAAAAAAAAAAEAAABQAAAAAAAAAAAA4D8AAAAAAADgPwAAAAAAAOA/AAAAAAAA4D8AAAAAAADgPwAAAAAAAOA/AAAAAAAA4D8AAAAAAADgPwAAAAAAAOA/AAAAAAAA4D8CAAAAjAAAAAAAAAAAAAAAT4G9DP///wgAAAAAAAAAAAAAAAAAAAAAAAAAAAAAAAAAAAAAZAAAAAEAAABAAAAAAAAAAAAAAAAAAAAAAAAAAAAAAAAAAAAAAAAAAAAAAAAAAAAAAAAAAAAAAAAAAAAAAAAAAAAAAAAAAAAAAAAAAAAAAAAAAAAAAAAAAAAAAAAAAAAAFAAAADwAAAAAAAAAAAAAAAAAAAkUAAAAAQAAABQAAAAUAAAAFAAAAAEAAAAAAAAAZAAAAGQAAAAAAAAAZAAAAGQAAAAVAAAAYAAAAAAAAAAAAAAADwAAACADAAAAAAAAAAAAAAEAAACgMgAAVgcAAKr4//8BAAAAf39/AAEAAABkAAAAAAAAABQAAABAHwAAAAAAACYAAAAAAAAAwOD//wAAAAAmAAAAZAAAABYAAABMAAAAAAAAAAAAAAAEAAAAAAAAAAEAAADu7OEKAAAAACgAAAAoAAAAZAAAAGQAAAAAAAAAzMzMAAAAAABQAAAAUAAAAGQAAABkAAAAAAAAABcAAAAUAAAAAAAAAAAAAAD/fwAA/38AAAAAAAAJAAAABAAAAJIDBQMMAAAAEAAAAAAAAAAAAAAAAAAAAAAAAAAeAAAAaAAAAAAAAAAAAAAAAAAAAAAAAAAAAAAAECcAABAnAAAAAAAAAAAAAAAAAAAAAAAAAAAAAAAAAAAAAAAAAAAAABQAAAAAAAAAwMD/AAAAAABkAAAAMgAAAAAAAABkAAAAAAAAAH9/fwAKAAAAHwAAAFQAAABPgb0F////AQAAAAAAAAAAAAAAAAAAAAAAAAAAAAAAAAAAAAAAAAAAAAAAAn9/fwDu7OEDzMzMAMDA/wB/f38AAAAAAAAAAAAAAAAAAAAAAAAAAAAhAAAAGAAAABQAAADQSAAAGDkAABZOAACYOgAAEAAAACYAAAAIAAAAPIAAAAAAAAA="/>
+                <pr:smNativeData xmlns:pr="smNativeData" val="SMDATA_13_eIVQYBMAAAAlAAAAZAAAAA0AAAAAAAAAAAAAAAAAAAAAAAAAAAAAAAAAAAAAAAAAAAEAAABQAAAAAAAAAAAA4D8AAAAAAADgPwAAAAAAAOA/AAAAAAAA4D8AAAAAAADgPwAAAAAAAOA/AAAAAAAA4D8AAAAAAADgPwAAAAAAAOA/AAAAAAAA4D8CAAAAjAAAAAAAAAAAAAAA////AP///wgAAAAAAAAAAAAAAAAAAAAAAAAAAAAAAAAAAAAAeAAAAAEAAABAAAAAAAAAAAAAAABaAAAAAAAAAAAAAAAAAAAAAAAAAAAAAAAAAAAAAAAAAAAAAAAAAAAAAAAAAAAAAAAAAAAAAAAAAAAAAAAAAAAAAAAAAAAAAAAAAAAAFAAAADwAAAAAAAAAAAAAAAAAAAAPAAAAAQAAACMAAAAjAAAAIwAAAB4AAAAAAAAAZAAAAGQAAAAAAAAAZAAAAGQAAAAVAAAAYAAAAAAAAAAAAAAADwAAACADAAAAAAAAAAAAAAEAAACgMgAAVgcAAKr4//8BAAAAf39/AAEAAABkAAAAAAAAABQAAABAHwAAAAAAACYAAAAAAAAAwOD//wAAAAAmAAAAZAAAABYAAABMAAAAAAAAAAAAAAAEAAAAAAAAAAEAAADu7OEKAAAAACgAAAAoAAAAZAAAAGQAAAAAAAAAzMzMAAAAAABQAAAAUAAAAGQAAABkAAAAAAAAABcAAAAUAAAAAAAAAAAAAAD/fwAA/38AAAAAAAAJAAAABAAAAAAAAAAMAAAAEAAAAAAAAAAAAAAAAAAAAAAAAAAeAAAAaAAAAAAAAAAAAAAAAAAAAAAAAAAAAAAAECcAABAnAAAAAAAAAAAAAAAAAAAAAAAAAAAAAAAAAAAAAAAAAAAAABQAAAAAAAAAwMD/AAAAAABkAAAAMgAAAAAAAABkAAAAAAAAAH9/fwAKAAAAHwAAAFQAAAD///8AAAAAAQAAAAAAAAAAAAAAAAAAAAAAAAAAAAAAAAAAAAAAAAAAAAAAAH9/fwAAAAADzMzMAMDA/wB/f38AAAAAAAAAAAAAAAAAAAAAAAAAAAAhAAAAGAAAABQAAADQSAAAGDkAABZOAACYOgAAEAAAACYAAAAIAAAAPJAAAAAAAAA="/>
               </a:ext>
             </a:extLst>
           </p:cNvSpPr>
@@ -1893,10 +1860,9 @@
             <a:pPr>
               <a:defRPr lang="de-de"/>
             </a:pPr>
-            <a:fld id="{19AE3AF4-BAF4-FBCC-BA16-4C9974584C19}" type="slidenum">
+            <a:fld id="{14E970EE-A0F9-BC86-B751-56D33E1F4103}" type="slidenum">
               <a:t>‹#›</a:t>
             </a:fld>
-            <a:endParaRPr/>
           </a:p>
         </p:txBody>
       </p:sp>
@@ -1909,7 +1875,7 @@
 </file>
 
 <file path=ppt/slideLayouts/slideLayout3.xml><?xml version="1.0" encoding="utf-8"?>
-<p:sldLayout xmlns:a="http://schemas.openxmlformats.org/drawingml/2006/main" xmlns:r="http://schemas.openxmlformats.org/officeDocument/2006/relationships" xmlns:p="http://schemas.openxmlformats.org/presentationml/2006/main" type="blank" preserve="1">
+<p:sldLayout xmlns:p="http://schemas.openxmlformats.org/presentationml/2006/main" xmlns:p14="http://schemas.microsoft.com/office/powerpoint/2010/main" xmlns:r="http://schemas.openxmlformats.org/officeDocument/2006/relationships" xmlns:a="http://schemas.openxmlformats.org/drawingml/2006/main" type="blank" preserve="1">
   <p:cSld name="Aufzählung">
     <p:spTree>
       <p:nvGrpSpPr>
@@ -1932,7 +1898,7 @@
             <a:spLocks noGrp="1" noChangeArrowheads="1"/>
             <a:extLst>
               <a:ext uri="smNativeData">
-                <pr:smNativeData xmlns:pr="smNativeData" xmlns:p14="http://schemas.microsoft.com/office/powerpoint/2010/main" xmlns="" val="SMDATA_13_ec9PYBMAAAAlAAAAZAAAAE0AAAAAAAAAAAAAAAAAAAAAAAAAAAAAAAAAAAAAAAAAAAEAAABQAAAAAAAAAAAA4D8AAAAAAADgPwAAAAAAAOA/AAAAAAAA4D8AAAAAAADgPwAAAAAAAOA/AAAAAAAA4D8AAAAAAADgPwAAAAAAAOA/AAAAAAAA4D8CAAAAjAAAAAAAAAAAAAAAT4G9DP///wgAAAAAAAAAAAAAAAAAAAAAAAAAAAAAAAAAAAAAZAAAAAEAAABAAAAAAAAAAAAAAAAAAAAAAAAAAAAAAAAAAAAAAAAAAAAAAAAAAAAAAAAAAAAAAAAAAAAAAAAAAAAAAAAAAAAAAAAAAAAAAAAAAAAAAAAAAAAAAAAAAAAAFAAAADwAAAAAAAAAAAAAAAAAAAkUAAAAAQAAABQAAAAUAAAAFAAAAAEAAAAAAAAAZAAAAGQAAAAAAAAAZAAAAGQAAAAVAAAAYAAAAAAAAAAAAAAADwAAACADAAAAAAAAAAAAAAEAAACgMgAAVgcAAKr4//8BAAAAf39/AAEAAABkAAAAAAAAABQAAABAHwAAAAAAACYAAAAAAAAAwOD//wAAAAAmAAAAZAAAABYAAABMAAAAAAAAAAAAAAAEAAAAAAAAAAEAAADu7OEKAAAAACgAAAAoAAAAZAAAAGQAAAAAAAAAzMzMAAAAAABQAAAAUAAAAGQAAABkAAAAAAAAABcAAAAUAAAAAAAAAAAAAAD/fwAA/38AAAAAAAAJAAAABAAAAGkAYQAMAAAAEAAAAAAAAAAAAAAAAAAAAAAAAAAeAAAAaAAAAAAAAAAAAAAAAAAAAAAAAAAAAAAAECcAABAnAAAAAAAAAAAAAAAAAAAAAAAAAAAAAAAAAAAAAAAAAAAAABQAAAAAAAAAwMD/AAAAAABkAAAAMgAAAAAAAABkAAAAAAAAAH9/fwAKAAAAHwAAAFQAAABPgb0F////AQAAAAAAAAAAAAAAAAAAAAAAAAAAAAAAAAAAAAAAAAAAAAAAAn9/fwDu7OEDzMzMAMDA/wB/f38AAAAAAAAAAAAAAAAAAAAAAAAAAAAhAAAAGAAAABQAAADIBQAAiQsAAHpIAACzDwAAECAAACYAAAAIAAAAPYAAAAAAAAA="/>
+                <pr:smNativeData xmlns:pr="smNativeData" val="SMDATA_13_eIVQYBMAAAAlAAAAZAAAAA0AAAAAAAAAAAAAAAAAAAAAAAAAAAAAAAAAAAAAAAAAAAEAAABQAAAAAAAAAAAA4D8AAAAAAADgPwAAAAAAAOA/AAAAAAAA4D8AAAAAAADgPwAAAAAAAOA/AAAAAAAA4D8AAAAAAADgPwAAAAAAAOA/AAAAAAAA4D8CAAAAjAAAAAAAAAAAAAAA////AP///wgAAAAAAAAAAAAAAAAAAAAAAAAAAAAAAAAAAAAAeAAAAAEAAABAAAAAAAAAAAAAAABaAAAAAAAAAAAAAAAAAAAAAAAAAAAAAAAAAAAAAAAAAAAAAAAAAAAAAAAAAAAAAAAAAAAAAAAAAAAAAAAAAAAAAAAAAAAAAAAAAAAAFAAAADwAAAAAAAAAAAAAAAAAAAAPAAAAAQAAACMAAAAjAAAAIwAAAB4AAAAAAAAAZAAAAGQAAAAAAAAAZAAAAGQAAAAVAAAAYAAAAAAAAAAAAAAADwAAACADAAAAAAAAAAAAAAEAAACgMgAAVgcAAKr4//8BAAAAf39/AAEAAABkAAAAAAAAABQAAABAHwAAAAAAACYAAAAAAAAAwOD//wAAAAAmAAAAZAAAABYAAABMAAAAAAAAAAAAAAAEAAAAAAAAAAEAAADu7OEKAAAAACgAAAAoAAAAZAAAAGQAAAAAAAAAzMzMAAAAAABQAAAAUAAAAGQAAABkAAAAAAAAABcAAAAUAAAAAAAAAAAAAAD/fwAA/38AAAAAAAAJAAAABAAAAEEAQQAMAAAAEAAAAAAAAAAAAAAAAAAAAAAAAAAeAAAAaAAAAAAAAAAAAAAAAAAAAAAAAAAAAAAAECcAABAnAAAAAAAAAAAAAAAAAAAAAAAAAAAAAAAAAAAAAAAAAAAAABQAAAAAAAAAwMD/AAAAAABkAAAAMgAAAAAAAABkAAAAAAAAAH9/fwAKAAAAHwAAAFQAAAD///8AAAAAAQAAAAAAAAAAAAAAAAAAAAAAAAAAAAAAAAAAAAAAAAAAAAAAAH9/fwAAAAADzMzMAMDA/wB/f38AAAAAAAAAAAAAAAAAAAAAAAAAAAAhAAAAGAAAABQAAADIBQAAiQsAAHpIAACzDwAAEAAAACYAAAAIAAAAPZAAAAAAAAA="/>
               </a:ext>
             </a:extLst>
           </p:cNvSpPr>
@@ -1992,7 +1958,6 @@
             <a:pPr>
               <a:defRPr lang="de-de"/>
             </a:pPr>
-            <a:endParaRPr/>
           </a:p>
         </p:txBody>
       </p:sp>
@@ -2003,7 +1968,7 @@
             <a:spLocks noGrp="1" noChangeArrowheads="1"/>
             <a:extLst>
               <a:ext uri="smNativeData">
-                <pr:smNativeData xmlns:pr="smNativeData" xmlns:p14="http://schemas.microsoft.com/office/powerpoint/2010/main" xmlns="" val="SMDATA_13_ec9PYBMAAAAlAAAAZAAAAE0AAAAAAAAAAAAAAAAAAAAAAAAAAAAAAAAAAAAAAAAAAAEAAABQAAAAAAAAAAAA4D8AAAAAAADgPwAAAAAAAOA/AAAAAAAA4D8AAAAAAADgPwAAAAAAAOA/AAAAAAAA4D8AAAAAAADgPwAAAAAAAOA/AAAAAAAA4D8CAAAAjAAAAAAAAAAAAAAAT4G9DP///wgAAAAAAAAAAAAAAAAAAAAAAAAAAAAAAAAAAAAAZAAAAAEAAABAAAAAAAAAAAAAAAAAAAAAAAAAAAAAAAAAAAAAAAAAAAAAAAAAAAAAAAAAAAAAAAAAAAAAAAAAAAAAAAAAAAAAAAAAAAAAAAAAAAAAAAAAAAAAAAAAAAAAFAAAADwAAAAAAAAAAAAAAAAAAAkUAAAAAQAAABQAAAAUAAAAFAAAAAEAAAAAAAAAZAAAAGQAAAAAAAAAZAAAAGQAAAAVAAAAYAAAAAAAAAAAAAAADwAAACADAAAAAAAAAAAAAAEAAACgMgAAVgcAAKr4//8BAAAAf39/AAEAAABkAAAAAAAAABQAAABAHwAAAAAAACYAAAAAAAAAwOD//wAAAAAmAAAAZAAAABYAAABMAAAAAAAAAAAAAAAEAAAAAAAAAAEAAADu7OEKAAAAACgAAAAoAAAAZAAAAGQAAAAAAAAAzMzMAAAAAABQAAAAUAAAAGQAAABkAAAAAAAAABcAAAAUAAAAAAAAAAAAAAD/fwAA/38AAAAAAAAJAAAABAAAAAAAAAAMAAAAEAAAAAAAAAAAAAAAAAAAAAAAAAAeAAAAaAAAAAAAAAAAAAAAAAAAAAAAAAAAAAAAECcAABAnAAAAAAAAAAAAAAAAAAAAAAAAAAAAAAAAAAAAAAAAAAAAABQAAAAAAAAAwMD/AAAAAABkAAAAMgAAAAAAAABkAAAAAAAAAH9/fwAKAAAAHwAAAFQAAABPgb0F////AQAAAAAAAAAAAAAAAAAAAAAAAAAAAAAAAAAAAAAAAAAAAAAAAn9/fwDu7OEDzMzMAMDA/wB/f38AAAAAAAAAAAAAAAAAAAAAAAAAAAAhAAAAGAAAABQAAADIBQAAwBIAAHpIAACaIQAAECAAACYAAAAIAAAAPYAAAAAAAAA="/>
+                <pr:smNativeData xmlns:pr="smNativeData" val="SMDATA_13_eIVQYBMAAAAlAAAAZAAAAA0AAAAAAAAAAAAAAAAAAAAAAAAAAAAAAAAAAAAAAAAAAAEAAABQAAAAAAAAAAAA4D8AAAAAAADgPwAAAAAAAOA/AAAAAAAA4D8AAAAAAADgPwAAAAAAAOA/AAAAAAAA4D8AAAAAAADgPwAAAAAAAOA/AAAAAAAA4D8CAAAAjAAAAAAAAAAAAAAA////AP///wgAAAAAAAAAAAAAAAAAAAAAAAAAAAAAAAAAAAAAeAAAAAEAAABAAAAAAAAAAAAAAABaAAAAAAAAAAAAAAAAAAAAAAAAAAAAAAAAAAAAAAAAAAAAAAAAAAAAAAAAAAAAAAAAAAAAAAAAAAAAAAAAAAAAAAAAAAAAAAAAAAAAFAAAADwAAAAAAAAAAAAAAAAAAAAPAAAAAQAAACMAAAAjAAAAIwAAAB4AAAAAAAAAZAAAAGQAAAAAAAAAZAAAAGQAAAAVAAAAYAAAAAAAAAAAAAAADwAAACADAAAAAAAAAAAAAAEAAACgMgAAVgcAAKr4//8BAAAAf39/AAEAAABkAAAAAAAAABQAAABAHwAAAAAAACYAAAAAAAAAwOD//wAAAAAmAAAAZAAAABYAAABMAAAAAAAAAAAAAAAEAAAAAAAAAAEAAADu7OEKAAAAACgAAAAoAAAAZAAAAGQAAAAAAAAAzMzMAAAAAABQAAAAUAAAAGQAAABkAAAAAAAAABcAAAAUAAAAAAAAAAAAAAD/fwAA/38AAAAAAAAJAAAABAAAAEQALwAMAAAAEAAAAAAAAAAAAAAAAAAAAAAAAAAeAAAAaAAAAAAAAAAAAAAAAAAAAAAAAAAAAAAAECcAABAnAAAAAAAAAAAAAAAAAAAAAAAAAAAAAAAAAAAAAAAAAAAAABQAAAAAAAAAwMD/AAAAAABkAAAAMgAAAAAAAABkAAAAAAAAAH9/fwAKAAAAHwAAAFQAAAD///8AAAAAAQAAAAAAAAAAAAAAAAAAAAAAAAAAAAAAAAAAAAAAAAAAAAAAAH9/fwAAAAADzMzMAMDA/wB/f38AAAAAAAAAAAAAAAAAAAAAAAAAAAAhAAAAGAAAABQAAADIBQAAwBIAAHpIAACaIQAAEAAAACYAAAAIAAAAPZAAAAAAAAA="/>
               </a:ext>
             </a:extLst>
           </p:cNvSpPr>
@@ -2035,7 +2000,7 @@
                 <a:schemeClr val="accent1"/>
               </a:buClr>
               <a:buSzPts val="2910"/>
-              <a:buFont typeface="Wingdings" charset="0"/>
+              <a:buFont typeface="Wingdings" pitchFamily="0" charset="0"/>
               <a:buChar char="§"/>
               <a:tabLst/>
               <a:defRPr lang="de-de" sz="2800" b="0" i="0" baseline="0">
@@ -2066,7 +2031,7 @@
               <a:lnSpc>
                 <a:spcPct val="150000"/>
               </a:lnSpc>
-              <a:buFont typeface="Wingdings" charset="0"/>
+              <a:buFont typeface="Wingdings" pitchFamily="0" charset="0"/>
               <a:buChar char="§"/>
               <a:defRPr lang="de-de" sz="2000" b="0" i="0" baseline="0">
                 <a:solidFill>
@@ -2137,7 +2102,7 @@
             <a:spLocks noGrp="1" noChangeArrowheads="1"/>
             <a:extLst>
               <a:ext uri="smNativeData">
-                <pr:smNativeData xmlns:pr="smNativeData" xmlns:p14="http://schemas.microsoft.com/office/powerpoint/2010/main" xmlns="" val="SMDATA_13_ec9PYBMAAAAlAAAAZAAAAA0AAAAAAAAAAAAAAAAAAAAAAAAAAAAAAAAAAAAAAAAAAAEAAABQAAAAAAAAAAAA4D8AAAAAAADgPwAAAAAAAOA/AAAAAAAA4D8AAAAAAADgPwAAAAAAAOA/AAAAAAAA4D8AAAAAAADgPwAAAAAAAOA/AAAAAAAA4D8CAAAAjAAAAAAAAAAAAAAAT4G9DP///wgAAAAAAAAAAAAAAAAAAAAAAAAAAAAAAAAAAAAAZAAAAAEAAABAAAAAAAAAAAAAAAAAAAAAAAAAAAAAAAAAAAAAAAAAAAAAAAAAAAAAAAAAAAAAAAAAAAAAAAAAAAAAAAAAAAAAAAAAAAAAAAAAAAAAAAAAAAAAAAAAAAAAFAAAADwAAAAAAAAAAAAAAAAAAAkUAAAAAQAAABQAAAAUAAAAFAAAAAEAAAAAAAAAZAAAAGQAAAAAAAAAZAAAAGQAAAAVAAAAYAAAAAAAAAAAAAAADwAAACADAAAAAAAAAAAAAAEAAACgMgAAVgcAAKr4//8BAAAAf39/AAEAAABkAAAAAAAAABQAAABAHwAAAAAAACYAAAAAAAAAwOD//wAAAAAmAAAAZAAAABYAAABMAAAAAAAAAAAAAAAEAAAAAAAAAAEAAADu7OEKAAAAACgAAAAoAAAAZAAAAGQAAAAAAAAAzMzMAAAAAABQAAAAUAAAAGQAAABkAAAAAAAAABcAAAAUAAAAAAAAAAAAAAD/fwAA/38AAAAAAAAJAAAABAAAAAAAAAAMAAAAEAAAAAAAAAAAAAAAAAAAAAAAAAAeAAAAaAAAAAAAAAAAAAAAAAAAAAAAAAAAAAAAECcAABAnAAAAAAAAAAAAAAAAAAAAAAAAAAAAAAAAAAAAAAAAAAAAABQAAAAAAAAAwMD/AAAAAABkAAAAMgAAAAAAAABkAAAAAAAAAH9/fwAKAAAAHwAAAFQAAABPgb0F////AQAAAAAAAAAAAAAAAAAAAAAAAAAAAAAAAAAAAAAAAAAAAAAAAn9/fwDu7OEDzMzMAMDA/wB/f38AAAAAAAAAAAAAAAAAAAAAAAAAAAAhAAAAGAAAABQAAADqAQAA4DgAAPAKAACYOgAAAAAAACYAAAAIAAAAPIAAAAAAAAA="/>
+                <pr:smNativeData xmlns:pr="smNativeData" val="SMDATA_13_eIVQYBMAAAAlAAAAZAAAAA0AAAAAAAAAAAAAAAAAAAAAAAAAAAAAAAAAAAAAAAAAAAEAAABQAAAAAAAAAAAA4D8AAAAAAADgPwAAAAAAAOA/AAAAAAAA4D8AAAAAAADgPwAAAAAAAOA/AAAAAAAA4D8AAAAAAADgPwAAAAAAAOA/AAAAAAAA4D8CAAAAjAAAAAAAAAAAAAAA////AP///wgAAAAAAAAAAAAAAAAAAAAAAAAAAAAAAAAAAAAAeAAAAAEAAABAAAAAAAAAAAAAAABaAAAAAAAAAAAAAAAAAAAAAAAAAAAAAAAAAAAAAAAAAAAAAAAAAAAAAAAAAAAAAAAAAAAAAAAAAAAAAAAAAAAAAAAAAAAAAAAAAAAAFAAAADwAAAAAAAAAAAAAAAAAAAAPAAAAAQAAACMAAAAjAAAAIwAAAB4AAAAAAAAAZAAAAGQAAAAAAAAAZAAAAGQAAAAVAAAAYAAAAAAAAAAAAAAADwAAACADAAAAAAAAAAAAAAEAAACgMgAAVgcAAKr4//8BAAAAf39/AAEAAABkAAAAAAAAABQAAABAHwAAAAAAACYAAAAAAAAAwOD//wAAAAAmAAAAZAAAABYAAABMAAAAAAAAAAAAAAAEAAAAAAAAAAEAAADu7OEKAAAAACgAAAAoAAAAZAAAAGQAAAAAAAAAzMzMAAAAAABQAAAAUAAAAGQAAABkAAAAAAAAABcAAAAUAAAAAAAAAAAAAAD/fwAA/38AAAAAAAAJAAAABAAAAAAAAAAMAAAAEAAAAAAAAAAAAAAAAAAAAAAAAAAeAAAAaAAAAAAAAAAAAAAAAAAAAAAAAAAAAAAAECcAABAnAAAAAAAAAAAAAAAAAAAAAAAAAAAAAAAAAAAAAAAAAAAAABQAAAAAAAAAwMD/AAAAAABkAAAAMgAAAAAAAABkAAAAAAAAAH9/fwAKAAAAHwAAAFQAAAD///8AAAAAAQAAAAAAAAAAAAAAAAAAAAAAAAAAAAAAAAAAAAAAAAAAAAAAAH9/fwAAAAADzMzMAMDA/wB/f38AAAAAAAAAAAAAAAAAAAAAAAAAAAAhAAAAGAAAABQAAADqAQAA4DgAAPAKAACYOgAAEAAAACYAAAAIAAAAPJAAAAAAAAA="/>
               </a:ext>
             </a:extLst>
           </p:cNvSpPr>
@@ -2154,7 +2119,7 @@
           </a:bodyPr>
           <a:lstStyle>
             <a:lvl1pPr algn="l">
-              <a:defRPr lang="de-de" sz="1500">
+              <a:defRPr lang="en-us" sz="1500">
                 <a:solidFill>
                   <a:srgbClr val="8C8C8C"/>
                 </a:solidFill>
@@ -2187,10 +2152,9 @@
           </a:lstStyle>
           <a:p>
             <a:pPr>
-              <a:defRPr lang="de-de"/>
-            </a:pPr>
-            <a:r>
-              <a:rPr lang="en-us"/>
+              <a:defRPr lang="en-us"/>
+            </a:pPr>
+            <a:r>
               <a:t>25.03.2021</a:t>
             </a:r>
           </a:p>
@@ -2203,7 +2167,7 @@
             <a:spLocks noGrp="1" noChangeArrowheads="1"/>
             <a:extLst>
               <a:ext uri="smNativeData">
-                <pr:smNativeData xmlns:pr="smNativeData" xmlns:p14="http://schemas.microsoft.com/office/powerpoint/2010/main" xmlns="" val="SMDATA_13_ec9PYBMAAAAlAAAAZAAAAA0AAAAAAAAAAAAAAAAAAAAAAAAAAAAAAAAAAAAAAAAAAAEAAABQAAAAAAAAAAAA4D8AAAAAAADgPwAAAAAAAOA/AAAAAAAA4D8AAAAAAADgPwAAAAAAAOA/AAAAAAAA4D8AAAAAAADgPwAAAAAAAOA/AAAAAAAA4D8CAAAAjAAAAAAAAAAAAAAAT4G9DP///wgAAAAAAAAAAAAAAAAAAAAAAAAAAAAAAAAAAAAAZAAAAAEAAABAAAAAAAAAAAAAAAAAAAAAAAAAAAAAAAAAAAAAAAAAAAAAAAAAAAAAAAAAAAAAAAAAAAAAAAAAAAAAAAAAAAAAAAAAAAAAAAAAAAAAAAAAAAAAAAAAAAAAFAAAADwAAAAAAAAAAAAAAAAAAAkUAAAAAQAAABQAAAAUAAAAFAAAAAEAAAAAAAAAZAAAAGQAAAAAAAAAZAAAAGQAAAAVAAAAYAAAAAAAAAAAAAAADwAAACADAAAAAAAAAAAAAAEAAACgMgAAVgcAAKr4//8BAAAAf39/AAEAAABkAAAAAAAAABQAAABAHwAAAAAAACYAAAAAAAAAwOD//wAAAAAmAAAAZAAAABYAAABMAAAAAAAAAAAAAAAEAAAAAAAAAAEAAADu7OEKAAAAACgAAAAoAAAAZAAAAGQAAAAAAAAAzMzMAAAAAABQAAAAUAAAAGQAAABkAAAAAAAAABcAAAAUAAAAAAAAAAAAAAD/fwAA/38AAAAAAAAJAAAABAAAAAAAAAAMAAAAEAAAAAAAAAAAAAAAAAAAAAAAAAAeAAAAaAAAAAAAAAAAAAAAAAAAAAAAAAAAAAAAECcAABAnAAAAAAAAAAAAAAAAAAAAAAAAAAAAAAAAAAAAAAAAAAAAABQAAAAAAAAAwMD/AAAAAABkAAAAMgAAAAAAAABkAAAAAAAAAH9/fwAKAAAAHwAAAFQAAABPgb0F////AQAAAAAAAAAAAAAAAAAAAAAAAAAAAAAAAAAAAAAAAAAAAAAAAn9/fwDu7OEDzMzMAMDA/wB/f38AAAAAAAAAAAAAAAAAAAAAAAAAAAAhAAAAGAAAABQAAADQSAAAGDkAABZOAACYOgAAEAAAACYAAAAIAAAAPIAAAAAAAAA="/>
+                <pr:smNativeData xmlns:pr="smNativeData" val="SMDATA_13_eIVQYBMAAAAlAAAAZAAAAA0AAAAAAAAAAAAAAAAAAAAAAAAAAAAAAAAAAAAAAAAAAAEAAABQAAAAAAAAAAAA4D8AAAAAAADgPwAAAAAAAOA/AAAAAAAA4D8AAAAAAADgPwAAAAAAAOA/AAAAAAAA4D8AAAAAAADgPwAAAAAAAOA/AAAAAAAA4D8CAAAAjAAAAAAAAAAAAAAA////AP///wgAAAAAAAAAAAAAAAAAAAAAAAAAAAAAAAAAAAAAeAAAAAEAAABAAAAAAAAAAAAAAABaAAAAAAAAAAAAAAAAAAAAAAAAAAAAAAAAAAAAAAAAAAAAAAAAAAAAAAAAAAAAAAAAAAAAAAAAAAAAAAAAAAAAAAAAAAAAAAAAAAAAFAAAADwAAAAAAAAAAAAAAAAAAAAPAAAAAQAAACMAAAAjAAAAIwAAAB4AAAAAAAAAZAAAAGQAAAAAAAAAZAAAAGQAAAAVAAAAYAAAAAAAAAAAAAAADwAAACADAAAAAAAAAAAAAAEAAACgMgAAVgcAAKr4//8BAAAAf39/AAEAAABkAAAAAAAAABQAAABAHwAAAAAAACYAAAAAAAAAwOD//wAAAAAmAAAAZAAAABYAAABMAAAAAAAAAAAAAAAEAAAAAAAAAAEAAADu7OEKAAAAACgAAAAoAAAAZAAAAGQAAAAAAAAAzMzMAAAAAABQAAAAUAAAAGQAAABkAAAAAAAAABcAAAAUAAAAAAAAAAAAAAD/fwAA/38AAAAAAAAJAAAABAAAAAAAAAAMAAAAEAAAAAAAAAAAAAAAAAAAAAAAAAAeAAAAaAAAAAAAAAAAAAAAAAAAAAAAAAAAAAAAECcAABAnAAAAAAAAAAAAAAAAAAAAAAAAAAAAAAAAAAAAAAAAAAAAABQAAAAAAAAAwMD/AAAAAABkAAAAMgAAAAAAAABkAAAAAAAAAH9/fwAKAAAAHwAAAFQAAAD///8AAAAAAQAAAAAAAAAAAAAAAAAAAAAAAAAAAAAAAAAAAAAAAAAAAAAAAH9/fwAAAAADzMzMAMDA/wB/f38AAAAAAAAAAAAAAAAAAAAAAAAAAAAhAAAAGAAAABQAAADQSAAAGDkAABZOAACYOgAAEAAAACYAAAAIAAAAPJAAAAAAAAA="/>
               </a:ext>
             </a:extLst>
           </p:cNvSpPr>
@@ -2255,10 +2219,9 @@
             <a:pPr>
               <a:defRPr lang="de-de"/>
             </a:pPr>
-            <a:fld id="{21A75586-C8CC-F2A3-821F-3EF61B51746B}" type="slidenum">
+            <a:fld id="{1A1BBD7A-34F7-4E4B-B9A3-C21EF3ED4F97}" type="slidenum">
               <a:t>‹#›</a:t>
             </a:fld>
-            <a:endParaRPr/>
           </a:p>
         </p:txBody>
       </p:sp>
@@ -2269,7 +2232,7 @@
             <a:spLocks noGrp="1" noChangeArrowheads="1"/>
             <a:extLst>
               <a:ext uri="smNativeData">
-                <pr:smNativeData xmlns:pr="smNativeData" xmlns:p14="http://schemas.microsoft.com/office/powerpoint/2010/main" xmlns="" val="SMDATA_13_ec9PYBMAAAAlAAAAZAAAAE0AAAAAAAAAAAAAAAAAAAAAAAAAAAAAAAAAAAAAAAAAAAEAAABQAAAAAAAAAAAA4D8AAAAAAADgPwAAAAAAAOA/AAAAAAAA4D8AAAAAAADgPwAAAAAAAOA/AAAAAAAA4D8AAAAAAADgPwAAAAAAAOA/AAAAAAAA4D8CAAAAjAAAAAAAAAAAAAAAT4G9DP///wgAAAAAAAAAAAAAAAAAAAAAAAAAAAAAAAAAAAAAZAAAAAEAAABAAAAAAAAAAAAAAAAAAAAAAAAAAAAAAAAAAAAAAAAAAAAAAAAAAAAAAAAAAAAAAAAAAAAAAAAAAAAAAAAAAAAAAAAAAAAAAAAAAAAAAAAAAAAAAAAAAAAAFAAAADwAAAAAAAAAAAAAAAAAAAkUAAAAAQAAABQAAAAUAAAAFAAAAAEAAAAAAAAAZAAAAGQAAAAAAAAAZAAAAGQAAAAVAAAAYAAAAAAAAAAAAAAADwAAACADAAAAAAAAAAAAAAEAAACgMgAAVgcAAKr4//8BAAAAf39/AAEAAABkAAAAAAAAABQAAABAHwAAAAAAACYAAAAAAAAAwOD//wAAAAAmAAAAZAAAABYAAABMAAAAAAAAAAAAAAAEAAAAAAAAAAEAAADu7OEKAAAAACgAAAAoAAAAZAAAAGQAAAAAAAAAzMzMAAAAAABQAAAAUAAAAGQAAABkAAAAAAAAABcAAAAUAAAAAAAAAAAAAAD/fwAA/38AAAAAAAAJAAAABAAAAAAAAAAMAAAAEAAAAAAAAAAAAAAAAAAAAAAAAAAeAAAAaAAAAAAAAAAAAAAAAAAAAAAAAAAAAAAAECcAABAnAAAAAAAAAAAAAAAAAAAAAAAAAAAAAAAAAAAAAAAAAAAAABQAAAAAAAAAwMD/AAAAAABkAAAAMgAAAAAAAABkAAAAAAAAAH9/fwAKAAAAHwAAAFQAAABPgb0F////AQAAAAAAAAAAAAAAAAAAAAAAAAAAAAAAAAAAAAAAAAAAAAAAAn9/fwDu7OEDzMzMAMDA/wB/f38AAAAAAAAAAAAAAAAAAAAAAAAAAAAhAAAAGAAAABQAAADIBQAAXTYAAMcoAACANwAAECAAACYAAAAIAAAAAYAAAAAAAAA="/>
+                <pr:smNativeData xmlns:pr="smNativeData" val="SMDATA_13_eIVQYBMAAAAlAAAAZAAAAA0AAAAAAAAAAAAAAAAAAAAAAAAAAAAAAAAAAAAAAAAAAAEAAABQAAAAAAAAAAAA4D8AAAAAAADgPwAAAAAAAOA/AAAAAAAA4D8AAAAAAADgPwAAAAAAAOA/AAAAAAAA4D8AAAAAAADgPwAAAAAAAOA/AAAAAAAA4D8CAAAAjAAAAAAAAAAAAAAA////AP///wgAAAAAAAAAAAAAAAAAAAAAAAAAAAAAAAAAAAAAeAAAAAEAAABAAAAAAAAAAAAAAABaAAAAAAAAAAAAAAAAAAAAAAAAAAAAAAAAAAAAAAAAAAAAAAAAAAAAAAAAAAAAAAAAAAAAAAAAAAAAAAAAAAAAAAAAAAAAAAAAAAAAFAAAADwAAAAAAAAAAAAAAAAAAAAPAAAAAQAAACMAAAAjAAAAIwAAAB4AAAAAAAAAZAAAAGQAAAAAAAAAZAAAAGQAAAAVAAAAYAAAAAAAAAAAAAAADwAAACADAAAAAAAAAAAAAAEAAACgMgAAVgcAAKr4//8BAAAAf39/AAEAAABkAAAAAAAAABQAAABAHwAAAAAAACYAAAAAAAAAwOD//wAAAAAmAAAAZAAAABYAAABMAAAAAAAAAAAAAAAEAAAAAAAAAAEAAADu7OEKAAAAACgAAAAoAAAAZAAAAGQAAAAAAAAAzMzMAAAAAABQAAAAUAAAAGQAAABkAAAAAAAAABcAAAAUAAAAAAAAAAAAAAD/fwAA/38AAAAAAAAJAAAABAAAAAAAAAAMAAAAEAAAAAAAAAAAAAAAAAAAAAAAAAAeAAAAaAAAAAAAAAAAAAAAAAAAAAAAAAAAAAAAECcAABAnAAAAAAAAAAAAAAAAAAAAAAAAAAAAAAAAAAAAAAAAAAAAABQAAAAAAAAAwMD/AAAAAABkAAAAMgAAAAAAAABkAAAAAAAAAH9/fwAKAAAAHwAAAFQAAAD///8AAAAAAQAAAAAAAAAAAAAAAAAAAAAAAAAAAAAAAAAAAAAAAAAAAAAAAH9/fwAAAAADzMzMAMDA/wB/f38AAAAAAAAAAAAAAAAAAAAAAAAAAAAhAAAAGAAAABQAAADIBQAAXTYAAMcoAACANwAAEAAAACYAAAAIAAAAAYAAAAAAAAA="/>
               </a:ext>
             </a:extLst>
           </p:cNvSpPr>
@@ -2340,7 +2303,7 @@
 </file>
 
 <file path=ppt/slideLayouts/slideLayout4.xml><?xml version="1.0" encoding="utf-8"?>
-<p:sldLayout xmlns:a="http://schemas.openxmlformats.org/drawingml/2006/main" xmlns:r="http://schemas.openxmlformats.org/officeDocument/2006/relationships" xmlns:p="http://schemas.openxmlformats.org/presentationml/2006/main" type="blank" preserve="1">
+<p:sldLayout xmlns:p="http://schemas.openxmlformats.org/presentationml/2006/main" xmlns:p14="http://schemas.microsoft.com/office/powerpoint/2010/main" xmlns:r="http://schemas.openxmlformats.org/officeDocument/2006/relationships" xmlns:a="http://schemas.openxmlformats.org/drawingml/2006/main" type="blank" preserve="1">
   <p:cSld name="1_Großes Bild">
     <p:spTree>
       <p:nvGrpSpPr>
@@ -2363,7 +2326,7 @@
             <a:spLocks noGrp="1" noChangeArrowheads="1"/>
             <a:extLst>
               <a:ext uri="smNativeData">
-                <pr:smNativeData xmlns:pr="smNativeData" xmlns:p14="http://schemas.microsoft.com/office/powerpoint/2010/main" xmlns="" val="SMDATA_13_ec9PYBMAAAAlAAAAZAAAAE0AAAAAAAAAAAAAAAAAAAAAAAAAAAAAAAAAAAAAAAAAAAEAAABQAAAAAAAAAAAA4D8AAAAAAADgPwAAAAAAAOA/AAAAAAAA4D8AAAAAAADgPwAAAAAAAOA/AAAAAAAA4D8AAAAAAADgPwAAAAAAAOA/AAAAAAAA4D8CAAAAjAAAAAAAAAAAAAAAT4G9DP///wgAAAAAAAAAAAAAAAAAAAAAAAAAAAAAAAAAAAAAZAAAAAEAAABAAAAAAAAAAAAAAAAAAAAAAAAAAAAAAAAAAAAAAAAAAAAAAAAAAAAAAAAAAAAAAAAAAAAAAAAAAAAAAAAAAAAAAAAAAAAAAAAAAAAAAAAAAAAAAAAAAAAAFAAAADwAAAAAAAAAAAAAAAAAAAkUAAAAAQAAABQAAAAUAAAAFAAAAAEAAAAAAAAAZAAAAGQAAAAAAAAAZAAAAGQAAAAVAAAAYAAAAAAAAAAAAAAADwAAACADAAAAAAAAAAAAAAEAAACgMgAAVgcAAKr4//8BAAAAf39/AAEAAABkAAAAAAAAABQAAABAHwAAAAAAACYAAAAAAAAAwOD//wAAAAAmAAAAZAAAABYAAABMAAAAAAAAAAAAAAAEAAAAAAAAAAEAAADu7OEKAAAAACgAAAAoAAAAZAAAAGQAAAAAAAAAzMzMAAAAAABQAAAAUAAAAGQAAABkAAAAAAAAABcAAAAUAAAAAAAAAAAAAAD/fwAA/38AAAAAAAAJAAAABAAAAAAAAAAMAAAAEAAAAAAAAAAAAAAAAAAAAAAAAAAeAAAAaAAAAAAAAAAAAAAAAAAAAAAAAAAAAAAAECcAABAnAAAAAAAAAAAAAAAAAAAAAAAAAAAAAAAAAAAAAAAAAAAAABQAAAAAAAAAwMD/AAAAAABkAAAAMgAAAAAAAABkAAAAAAAAAH9/fwAKAAAAHwAAAFQAAABPgb0F////AQAAAAAAAAAAAAAAAAAAAAAAAAAAAAAAAAAAAAAAAAAAAAAAAn9/fwDu7OEDzMzMAMDA/wB/f38AAAAAAAAAAAAAAAAAAAAAAAAAAAAhAAAAGAAAABQAAAAAAAAAcAgAAABQAAB4PAAAECAAACYAAAAIAAAAAYAAAAAAAAA="/>
+                <pr:smNativeData xmlns:pr="smNativeData" val="SMDATA_13_eIVQYBMAAAAlAAAAZAAAAA0AAAAAAAAAAAAAAAAAAAAAAAAAAAAAAAAAAAAAAAAAAAEAAABQAAAAAAAAAAAA4D8AAAAAAADgPwAAAAAAAOA/AAAAAAAA4D8AAAAAAADgPwAAAAAAAOA/AAAAAAAA4D8AAAAAAADgPwAAAAAAAOA/AAAAAAAA4D8CAAAAjAAAAAAAAAAAAAAA////AP///wgAAAAAAAAAAAAAAAAAAAAAAAAAAAAAAAAAAAAAeAAAAAEAAABAAAAAAAAAAAAAAABaAAAAAAAAAAAAAAAAAAAAAAAAAAAAAAAAAAAAAAAAAAAAAAAAAAAAAAAAAAAAAAAAAAAAAAAAAAAAAAAAAAAAAAAAAAAAAAAAAAAAFAAAADwAAAAAAAAAAAAAAAAAAAAPAAAAAQAAACMAAAAjAAAAIwAAAB4AAAAAAAAAZAAAAGQAAAAAAAAAZAAAAGQAAAAVAAAAYAAAAAAAAAAAAAAADwAAACADAAAAAAAAAAAAAAEAAACgMgAAVgcAAKr4//8BAAAAf39/AAEAAABkAAAAAAAAABQAAABAHwAAAAAAACYAAAAAAAAAwOD//wAAAAAmAAAAZAAAABYAAABMAAAAAAAAAAAAAAAEAAAAAAAAAAEAAADu7OEKAAAAACgAAAAoAAAAZAAAAGQAAAAAAAAAzMzMAAAAAABQAAAAUAAAAGQAAABkAAAAAAAAABcAAAAUAAAAAAAAAAAAAAD/fwAA/38AAAAAAAAJAAAABAAAAAAAAAAMAAAAEAAAAAAAAAAAAAAAAAAAAAAAAAAeAAAAaAAAAAAAAAAAAAAAAAAAAAAAAAAAAAAAECcAABAnAAAAAAAAAAAAAAAAAAAAAAAAAAAAAAAAAAAAAAAAAAAAABQAAAAAAAAAwMD/AAAAAABkAAAAMgAAAAAAAABkAAAAAAAAAH9/fwAKAAAAHwAAAFQAAAD///8AAAAAAQAAAAAAAAAAAAAAAAAAAAAAAAAAAAAAAAAAAAAAAAAAAAAAAH9/fwAAAAADzMzMAMDA/wB/f38AAAAAAAAAAAAAAAAAAAAAAAAAAAAhAAAAGAAAABQAAAAAAAAAcAgAAABQAAB4PAAAEAAAACYAAAAIAAAAAYAAAAAAAAA="/>
               </a:ext>
             </a:extLst>
           </p:cNvSpPr>
@@ -2385,7 +2348,7 @@
                 <a:solidFill>
                   <a:srgbClr val="575756"/>
                 </a:solidFill>
-                <a:latin typeface="DINPro" charset="0"/>
+                <a:latin typeface="DINPro" pitchFamily="0" charset="0"/>
                 <a:ea typeface="Calibri" pitchFamily="2" charset="0"/>
                 <a:cs typeface="Calibri" pitchFamily="2" charset="0"/>
               </a:defRPr>
@@ -2419,7 +2382,6 @@
             <a:pPr>
               <a:defRPr lang="de-de"/>
             </a:pPr>
-            <a:endParaRPr/>
           </a:p>
         </p:txBody>
       </p:sp>
@@ -2429,7 +2391,7 @@
           <p:cNvSpPr>
             <a:extLst>
               <a:ext uri="smNativeData">
-                <pr:smNativeData xmlns:pr="smNativeData" xmlns:p14="http://schemas.microsoft.com/office/powerpoint/2010/main" xmlns="" val="SMDATA_13_ec9PYBMAAAAlAAAAZAAAAA0AAAAAkAAAAEgAAACQAAAASAAAAAAAAAABAAAAAAAAAAEAAABQAAAAAAAAAAAA4D8AAAAAAADgPwAAAAAAAOA/AAAAAAAA4D8AAAAAAADgPwAAAAAAAOA/AAAAAAAA4D8AAAAAAADgPwAAAAAAAOA/AAAAAAAA4D8CAAAAjAAAAAEAAAAAAAAA////CDp7ywAAAAAAAAAAAAAAAAAAAAAAAAAAAAAAAAAAAAAAZAAAAAEAAABAAAAAAAAAAJz///9aAAAAAAAAAAEAAABQAAAAPXvHAAAAAAAAAAAAAAAAAAAAAAAAAAAAAAAAAAAAAAAAAAAAAAAAAAAAAAAAAAAAAAAAAAAAAAAAAAAAFAAAADwAAAAAAAAAAAAAAEl9vAAPAAAAAQAAABQAAAAUAAAAFAAAAAEAAAAAAAAAZAAAAGQAAAAAAAAAZAAAAGQAAAAVAAAAYAAAAAAAAAAAAAAADwAAACADAAAAAAAAAAAAAAEAAACgMgAAVgcAAKr4//8BAAAAf39/AAEAAABkAAAAAAAAABQAAABAHwAAAAAAACYAAAAAAAAAwOD//wAAAAAmAAAAZAAAABYAAABMAAAAAAAAAAAAAAAEAAAAAAAAAAEAAADu7OEKAAAAACgAAAAoAAAAZAAAAGQAAAAAAAAAzMzMAAAAAABQAAAAUAAAAGQAAABkAAAAAAAAABcAAAAUAAAAAAAAAAAAAAD/fwAA/38AAAAAAAAJAAAABAAAAAAAAAAMAAAAEAAAAAAAAAAAAAAAAAAAAAAAAAAeAAAAaAAAAAAAAAAAAAAAAAAAAAAAAAAAAAAAECcAABAnAAAAAAAAAAAAAAAAAAAAAAAAAAAAAAAAAAAAAAAAAAAAABQAAAAAAAAAwMD/AAAAAABkAAAAMgAAAAAAAABkAAAAAAAAAH9/fwAKAAAAHwAAAFQAAAD///8BOnvLAD17xwAAAAAAAAAAAAAAAAAAAAAAAAAAAAAAAAAAAAAASX28AH9/fwDu7OEDzMzMAMDA/wB/f38AAAAAAAAAAAAAAAAAAAAAAAAAAAAhAAAAGAAAABQAAAAAAAAAUDcAAABQAAAAPAAAEAAAACYAAAAIAAAA//////////8="/>
+                <pr:smNativeData xmlns:pr="smNativeData" val="SMDATA_13_eIVQYBMAAAAlAAAAZAAAAA0AAAAAkAAAAEgAAACQAAAASAAAAAAAAAABAAAAAAAAAAEAAABQAAAAAAAAAAAA4D8AAAAAAADgPwAAAAAAAOA/AAAAAAAA4D8AAAAAAADgPwAAAAAAAOA/AAAAAAAA4D8AAAAAAADgPwAAAAAAAOA/AAAAAAAA4D8CAAAAjAAAAAEAAAAAAAAA////CP///wgAAAAAAAAAAAAAAAAAAAAAAAAAAAAAAAAAAAAAeAAAAAEAAABAAAAAAAAAAAAAAABaAAAAAAAAAAAAAAAAAAAAAAAAAAAAAAAAAAAAAAAAAAAAAAAAAAAAAAAAAAAAAAAAAAAAAAAAAAAAAAAAAAAAAAAAAAAAAAAAAAAAFAAAADwAAAAAAAAAAAAAAAAAAAkUAAAAAQAAABQAAAAUAAAAFAAAAAEAAAAAAAAAZAAAAGQAAAAAAAAAZAAAAGQAAAAVAAAAYAAAAAAAAAAAAAAADwAAACADAAAAAAAAAAAAAAEAAACgMgAAVgcAAKr4//8BAAAAf39/AAEAAABkAAAAAAAAABQAAABAHwAAAAAAACYAAAAAAAAAwOD//wAAAAAmAAAAZAAAABYAAABMAAAAAAAAAAAAAAAEAAAAAAAAAAEAAADu7OEKAAAAACgAAAAoAAAAZAAAAGQAAAAAAAAAzMzMAAAAAABQAAAAUAAAAGQAAABkAAAAAAAAABcAAAAUAAAAAAAAAAAAAAD/fwAA/38AAAAAAAAJAAAABAAAAEEAQQAMAAAAEAAAAAAAAAAAAAAAAAAAAAAAAAAeAAAAaAAAAAAAAAAAAAAAAAAAAAAAAAAAAAAAECcAABAnAAAAAAAAAAAAAAAAAAAAAAAAAAAAAAAAAAAAAAAAAAAAABQAAAAAAAAAwMD/AAAAAABkAAAAMgAAAAAAAABkAAAAAAAAAH9/fwAKAAAAHwAAAFQAAAAAAAABAAAAAQAAAAAAAAAAAAAAAAAAAAAAAAAAAAAAAAAAAAAAAAAAAAAAAn9/fwAAAAADzMzMAMDA/wB/f38AAAAAAAAAAAAAAAAAAAAAAAAAAAAhAAAAGAAAABQAAAAAAAAAUDcAAABQAAAAPAAAEAAAACYAAAAIAAAA//////////8="/>
               </a:ext>
             </a:extLst>
           </p:cNvSpPr>
@@ -2460,12 +2422,8 @@
                 <a:solidFill>
                   <a:srgbClr val="FFFFFF"/>
                 </a:solidFill>
-                <a:latin typeface="Calibri" pitchFamily="2" charset="0"/>
-                <a:ea typeface="Calibri" pitchFamily="2" charset="0"/>
-                <a:cs typeface="Calibri" pitchFamily="2" charset="0"/>
               </a:defRPr>
             </a:pPr>
-            <a:endParaRPr/>
           </a:p>
         </p:txBody>
       </p:sp>
@@ -2478,7 +2436,7 @@
 </file>
 
 <file path=ppt/slideLayouts/slideLayout5.xml><?xml version="1.0" encoding="utf-8"?>
-<p:sldLayout xmlns:a="http://schemas.openxmlformats.org/drawingml/2006/main" xmlns:r="http://schemas.openxmlformats.org/officeDocument/2006/relationships" xmlns:p="http://schemas.openxmlformats.org/presentationml/2006/main" type="blank" preserve="1">
+<p:sldLayout xmlns:p="http://schemas.openxmlformats.org/presentationml/2006/main" xmlns:p14="http://schemas.microsoft.com/office/powerpoint/2010/main" xmlns:r="http://schemas.openxmlformats.org/officeDocument/2006/relationships" xmlns:a="http://schemas.openxmlformats.org/drawingml/2006/main" type="blank" preserve="1">
   <p:cSld name="Großes Bild">
     <p:spTree>
       <p:nvGrpSpPr>
@@ -2501,7 +2459,7 @@
             <a:spLocks noGrp="1" noChangeArrowheads="1"/>
             <a:extLst>
               <a:ext uri="smNativeData">
-                <pr:smNativeData xmlns:pr="smNativeData" xmlns:p14="http://schemas.microsoft.com/office/powerpoint/2010/main" xmlns="" val="SMDATA_13_ec9PYBMAAAAlAAAAZAAAAE0AAAAAAAAAAAAAAAAAAAAAAAAAAAAAAAAAAAAAAAAAAAEAAABQAAAAAAAAAAAA4D8AAAAAAADgPwAAAAAAAOA/AAAAAAAA4D8AAAAAAADgPwAAAAAAAOA/AAAAAAAA4D8AAAAAAADgPwAAAAAAAOA/AAAAAAAA4D8CAAAAjAAAAAAAAAAAAAAAT4G9DP///wgAAAAAAAAAAAAAAAAAAAAAAAAAAAAAAAAAAAAAZAAAAAEAAABAAAAAAAAAAAAAAAAAAAAAAAAAAAAAAAAAAAAAAAAAAAAAAAAAAAAAAAAAAAAAAAAAAAAAAAAAAAAAAAAAAAAAAAAAAAAAAAAAAAAAAAAAAAAAAAAAAAAAFAAAADwAAAAAAAAAAAAAAAAAAAkUAAAAAQAAABQAAAAUAAAAFAAAAAEAAAAAAAAAZAAAAGQAAAAAAAAAZAAAAGQAAAAVAAAAYAAAAAAAAAAAAAAADwAAACADAAAAAAAAAAAAAAEAAACgMgAAVgcAAKr4//8BAAAAf39/AAEAAABkAAAAAAAAABQAAABAHwAAAAAAACYAAAAAAAAAwOD//wAAAAAmAAAAZAAAABYAAABMAAAAAAAAAAAAAAAEAAAAAAAAAAEAAADu7OEKAAAAACgAAAAoAAAAZAAAAGQAAAAAAAAAzMzMAAAAAABQAAAAUAAAAGQAAABkAAAAAAAAABcAAAAUAAAAAAAAAAAAAAD/fwAA/38AAAAAAAAJAAAABAAAAAAAAAAMAAAAEAAAAAAAAAAAAAAAAAAAAAAAAAAeAAAAaAAAAAAAAAAAAAAAAAAAAAAAAAAAAAAAECcAABAnAAAAAAAAAAAAAAAAAAAAAAAAAAAAAAAAAAAAAAAAAAAAABQAAAAAAAAAwMD/AAAAAABkAAAAMgAAAAAAAABkAAAAAAAAAH9/fwAKAAAAHwAAAFQAAABPgb0F////AQAAAAAAAAAAAAAAAAAAAAAAAAAAAAAAAAAAAAAAAAAAAAAAAn9/fwDu7OEDzMzMAMDA/wB/f38AAAAAAAAAAAAAAAAAAAAAAAAAAAAhAAAAGAAAABQAAAAAAAAAjQ4AAABQAACRNwAAECAAACYAAAAIAAAAPTAAAAAAAAA="/>
+                <pr:smNativeData xmlns:pr="smNativeData" val="SMDATA_13_eIVQYBMAAAAlAAAAZAAAAA0AAAAAAAAAAAAAAAAAAAAAAAAAAAAAAAAAAAAAAAAAAAEAAABQAAAAAAAAAAAA4D8AAAAAAADgPwAAAAAAAOA/AAAAAAAA4D8AAAAAAADgPwAAAAAAAOA/AAAAAAAA4D8AAAAAAADgPwAAAAAAAOA/AAAAAAAA4D8CAAAAjAAAAAAAAAAAAAAA////AP///wgAAAAAAAAAAAAAAAAAAAAAAAAAAAAAAAAAAAAAeAAAAAEAAABAAAAAAAAAAAAAAABaAAAAAAAAAAAAAAAAAAAAAAAAAAAAAAAAAAAAAAAAAAAAAAAAAAAAAAAAAAAAAAAAAAAAAAAAAAAAAAAAAAAAAAAAAAAAAAAAAAAAFAAAADwAAAAAAAAAAAAAAAAAAAAPAAAAAQAAACMAAAAjAAAAIwAAAB4AAAAAAAAAZAAAAGQAAAAAAAAAZAAAAGQAAAAVAAAAYAAAAAAAAAAAAAAADwAAACADAAAAAAAAAAAAAAEAAACgMgAAVgcAAKr4//8BAAAAf39/AAEAAABkAAAAAAAAABQAAABAHwAAAAAAACYAAAAAAAAAwOD//wAAAAAmAAAAZAAAABYAAABMAAAAAAAAAAAAAAAEAAAAAAAAAAEAAADu7OEKAAAAACgAAAAoAAAAZAAAAGQAAAAAAAAAzMzMAAAAAABQAAAAUAAAAGQAAABkAAAAAAAAABcAAAAUAAAAAAAAAAAAAAD/fwAA/38AAAAAAAAJAAAABAAAAEEAQQAMAAAAEAAAAAAAAAAAAAAAAAAAAAAAAAAeAAAAaAAAAAAAAAAAAAAAAAAAAAAAAAAAAAAAECcAABAnAAAAAAAAAAAAAAAAAAAAAAAAAAAAAAAAAAAAAAAAAAAAABQAAAAAAAAAwMD/AAAAAABkAAAAMgAAAAAAAABkAAAAAAAAAH9/fwAKAAAAHwAAAFQAAAD///8AAAAAAQAAAAAAAAAAAAAAAAAAAAAAAAAAAAAAAAAAAAAAAAAAAAAAAH9/fwAAAAADzMzMAMDA/wB/f38AAAAAAAAAAAAAAAAAAAAAAAAAAAAhAAAAGAAAABQAAAAAAAAAjQ4AAABQAACRNwAAEAAAACYAAAAIAAAAPRAAAAAAAAA="/>
               </a:ext>
             </a:extLst>
           </p:cNvSpPr>
@@ -2526,7 +2484,6 @@
             <a:pPr>
               <a:defRPr lang="de-de"/>
             </a:pPr>
-            <a:endParaRPr/>
           </a:p>
         </p:txBody>
       </p:sp>
@@ -2536,7 +2493,7 @@
           <p:cNvSpPr>
             <a:extLst>
               <a:ext uri="smNativeData">
-                <pr:smNativeData xmlns:pr="smNativeData" xmlns:p14="http://schemas.microsoft.com/office/powerpoint/2010/main" xmlns="" val="SMDATA_13_ec9PYBMAAAAlAAAACwAAAA0AAAAAAAAAAAAAAAAAAAAAAAAAAAAAAAAAAAAAAAAAAAEAAABQAAAAAAAAAAAA4D8AAAAAAADgPwAAAAAAAOA/AAAAAAAA4D8AAAAAAADgPwAAAAAAAOA/AAAAAAAA4D8AAAAAAADgPwAAAAAAAOA/AAAAAAAA4D8CAAAAjAAAAAEAAAADAAAAECU/AA+W1AAAAAAAAAAAAAAAAAAAAAAAAAAAAAAAAAAAAAAAeAAAAAEAAABAAAAAZAAAAAAAAABoAQAAAAAAAAAAAAAAAAAAAAAAAAAAAAAAAAAAAAAAAAAAAAAAAAAAAAAAAAAAAAAAAAAAAAAAAAAAAAAAAAAAAAAAAAAAAAAAAAAAFAAAADwAAAAAAAAAAAAAAAAAAAAPAAAAAQAAACMAAAAjAAAAIwAAAB4AAAAAAAAAZAAAAGQAAAAAAAAAZAAAAGQAAAAVAAAAYAAAAAAAAAAAAAAADwAAACADAAAAAAAAAAAAAAEAAACgMgAAVgcAAKr4//8BAAAAf39/AAEAAABkAAAAAAAAABQAAABAHwAAAAAAACYAAAAAAAAAwOD//wAAAAAmAAAAZAAAABYAAABMAAAAAAAAAAAAAAAEAAAAAAAAAAEAAADu7OEKAAAAACgAAAAoAAAAZAAAAGQAAAAAAAAAzMzMAAAAAABQAAAAUAAAAGQAAABkAAAAAAAAABcAAAAUAAAAAAAAAAAAAAD/fwAA/38AAAAAAAAJAAAABAAAALBeXQMMAAAAEAAAAAAAAAAAAAAAAAAAAAAAAAAeAAAAaAAAAAEAAAAAAAAAAAAAAAAAAAAAAAAAECcAABAnAAAAAAAAAAAAAAAAAAAAAAAAAAAAAAAAAAAAAAAAAAAAABQAAAAAAAAAwMD/AAAAAABkAAAAMgAAAAAAAABkAAAAAAAAAH9/fwAKAAAAHwAAAFQAAAAQJT8AD5bUAAAAAAAAAAAAAAAAAAAAAAAAAAAAAAAAAAAAAAAAAAAAAAAAAH9/fwDu7OEDzMzMAMDA/wB/f38AAAAAAAAAAAAAAAAAAAAAAAAAAAAhAAAAGAAAABQAAAAAAAAAoggAAABQAACUDgAAEAAAACYAAAAIAAAA//////////8="/>
+                <pr:smNativeData xmlns:pr="smNativeData" val="SMDATA_13_eIVQYBMAAAAlAAAACwAAAA0AAAAAAAAAAAAAAAAAAAAAAAAAAAAAAAAAAAAAAAAAAAEAAABQAAAAAAAAAAAA4D8AAAAAAADgPwAAAAAAAOA/AAAAAAAA4D8AAAAAAADgPwAAAAAAAOA/AAAAAAAA4D8AAAAAAADgPwAAAAAAAOA/AAAAAAAA4D8CAAAAjAAAAAEAAAADAAAAECU/AA+W1AAAAAAAAAAAAAAAAAAAAAAAAAAAAAAAAAAAAAAAeAAAAAEAAABAAAAAZAAAAAAAAABoAQAAAAAAAAAAAAAAAAAAAAAAAAAAAAAAAAAAAAAAAAAAAAAAAAAAAAAAAAAAAAAAAAAAAAAAAAAAAAAAAAAAAAAAAAAAAAAAAAAAFAAAADwAAAAAAAAAAAAAAAAAAAkUAAAAAQAAABQAAAAUAAAAFAAAAAEAAAAAAAAAZAAAAGQAAAAAAAAAZAAAAGQAAAAVAAAAYAAAAAAAAAAAAAAADwAAACADAAAAAAAAAAAAAAEAAACgMgAAVgcAAKr4//8BAAAAf39/AAEAAABkAAAAAAAAABQAAABAHwAAAAAAACYAAAAAAAAAwOD//wAAAAAmAAAAZAAAABYAAABMAAAAAAAAAAAAAAAEAAAAAAAAAAEAAADu7OEKAAAAACgAAAAoAAAAZAAAAGQAAAAAAAAAzMzMAAAAAABQAAAAUAAAAGQAAABkAAAAAAAAABcAAAAUAAAAAAAAAAAAAAD/fwAA/38AAAAAAAAJAAAABAAAAJB/EgMMAAAAEAAAAAAAAAAAAAAAAAAAAAAAAAAeAAAAaAAAAAEAAAAAAAAAAAAAAAAAAAAAAAAAECcAABAnAAAAAAAAAAAAAAAAAAAAAAAAAAAAAAAAAAAAAAAAAAAAABQAAAAAAAAAwMD/AAAAAAAAAAAAAAAAAAAAAABkAAAAAAAAAH9/fwAKAAAAHwAAAFQAAAAQJT8AD5bUAAAAAAAAAAAAAAAAAAAAAAAAAAAAAAAAAAAAAAAAAAAAAAAAAn9/fwAAAAADzMzMAMDA/wB/f38AAAAAAAAAAAAAAAAAAAAAAAAAAAAhAAAAGAAAABQAAAAAAAAAoggAAABQAACUDgAAEAAAACYAAAAIAAAA//////////8="/>
               </a:ext>
             </a:extLst>
           </p:cNvSpPr>
@@ -2598,7 +2555,6 @@
             <a:pPr>
               <a:defRPr lang="de-de"/>
             </a:pPr>
-            <a:endParaRPr/>
           </a:p>
         </p:txBody>
       </p:sp>
@@ -2609,7 +2565,7 @@
             <a:spLocks noGrp="1" noChangeArrowheads="1"/>
             <a:extLst>
               <a:ext uri="smNativeData">
-                <pr:smNativeData xmlns:pr="smNativeData" xmlns:p14="http://schemas.microsoft.com/office/powerpoint/2010/main" xmlns="" val="SMDATA_13_ec9PYBMAAAAlAAAAZAAAAE0AAAAAAAAAAAAAAAAAAAAAAAAAAAAAAAAAAAAAAAAAAAEAAABQAAAAAAAAAAAA4D8AAAAAAADgPwAAAAAAAOA/AAAAAAAA4D8AAAAAAADgPwAAAAAAAOA/AAAAAAAA4D8AAAAAAADgPwAAAAAAAOA/AAAAAAAA4D8CAAAAjAAAAAAAAAAAAAAAT4G9DP///wgAAAAAAAAAAAAAAAAAAAAAAAAAAAAAAAAAAAAAZAAAAAEAAABAAAAAAAAAAAAAAAAAAAAAAAAAAAAAAAAAAAAAAAAAAAAAAAAAAAAAAAAAAAAAAAAAAAAAAAAAAAAAAAAAAAAAAAAAAAAAAAAAAAAAAAAAAAAAAAAAAAAAFAAAADwAAAAAAAAAAAAAAAAAAAkUAAAAAQAAABQAAAAUAAAAFAAAAAEAAAAAAAAAZAAAAGQAAAAAAAAAZAAAAGQAAAAVAAAAYAAAAAAAAAAAAAAADwAAACADAAAAAAAAAAAAAAEAAACgMgAAVgcAAKr4//8BAAAAf39/AAEAAABkAAAAAAAAABQAAABAHwAAAAAAACYAAAAAAAAAwOD//wAAAAAmAAAAZAAAABYAAABMAAAAAAAAAAAAAAAEAAAAAAAAAAEAAADu7OEKAAAAACgAAAAoAAAAZAAAAGQAAAAAAAAAzMzMAAAAAABQAAAAUAAAAGQAAABkAAAAAAAAABcAAAAUAAAAAAAAAAAAAAD/fwAA/38AAAAAAAAJAAAABAAAAAAAAAAMAAAAEAAAAAAAAAAAAAAAAAAAAAAAAAAeAAAAaAAAAAAAAAAAAAAAAAAAAAAAAAAAAAAAECcAABAnAAAAAAAAAAAAAAAAAAAAAAAAAAAAAAAAAAAAAAAAAAAAABQAAAAAAAAAwMD/AAAAAABkAAAAMgAAAAAAAABkAAAAAAAAAH9/fwAKAAAAHwAAAFQAAABPgb0F////AQAAAAAAAAAAAAAAAAAAAAAAAAAAAAAAAAAAAAAAAAAAAAAAAn9/fwDu7OEDzMzMAMDA/wB/f38AAAAAAAAAAAAAAAAAAAAAAAAAAAAhAAAAGAAAABQAAADIBQAAdAkAAHpIAACsDAAAECAAACYAAAAIAAAAPYAAAAAAAAA="/>
+                <pr:smNativeData xmlns:pr="smNativeData" val="SMDATA_13_eIVQYBMAAAAlAAAAZAAAAA0AAAAAAAAAAAAAAAAAAAAAAAAAAAAAAAAAAAAAAAAAAAEAAABQAAAAAAAAAAAA4D8AAAAAAADgPwAAAAAAAOA/AAAAAAAA4D8AAAAAAADgPwAAAAAAAOA/AAAAAAAA4D8AAAAAAADgPwAAAAAAAOA/AAAAAAAA4D8CAAAAjAAAAAAAAAAAAAAA////AP///wgAAAAAAAAAAAAAAAAAAAAAAAAAAAAAAAAAAAAAeAAAAAEAAABAAAAAAAAAAAAAAABaAAAAAAAAAAAAAAAAAAAAAAAAAAAAAAAAAAAAAAAAAAAAAAAAAAAAAAAAAAAAAAAAAAAAAAAAAAAAAAAAAAAAAAAAAAAAAAAAAAAAFAAAADwAAAAAAAAAAAAAAAAAAAAPAAAAAQAAACMAAAAjAAAAIwAAAB4AAAAAAAAAZAAAAGQAAAAAAAAAZAAAAGQAAAAVAAAAYAAAAAAAAAAAAAAADwAAACADAAAAAAAAAAAAAAEAAACgMgAAVgcAAKr4//8BAAAAf39/AAEAAABkAAAAAAAAABQAAABAHwAAAAAAACYAAAAAAAAAwOD//wAAAAAmAAAAZAAAABYAAABMAAAAAAAAAAAAAAAEAAAAAAAAAAEAAADu7OEKAAAAACgAAAAoAAAAZAAAAGQAAAAAAAAAzMzMAAAAAABQAAAAUAAAAGQAAABkAAAAAAAAABcAAAAUAAAAAAAAAAAAAAD/fwAA/38AAAAAAAAJAAAABAAAAAAAAAAMAAAAEAAAAAAAAAAAAAAAAAAAAAAAAAAeAAAAaAAAAAAAAAAAAAAAAAAAAAAAAAAAAAAAECcAABAnAAAAAAAAAAAAAAAAAAAAAAAAAAAAAAAAAAAAAAAAAAAAABQAAAAAAAAAwMD/AAAAAABkAAAAMgAAAAAAAABkAAAAAAAAAH9/fwAKAAAAHwAAAFQAAAD///8AAAAAAQAAAAAAAAAAAAAAAAAAAAAAAAAAAAAAAAAAAAAAAAAAAAAAAH9/fwAAAAADzMzMAMDA/wB/f38AAAAAAAAAAAAAAAAAAAAAAAAAAAAhAAAAGAAAABQAAADIBQAAdAkAAHpIAACsDAAAEAAAACYAAAAIAAAAPZAAAAAAAAA="/>
               </a:ext>
             </a:extLst>
           </p:cNvSpPr>
@@ -2669,7 +2625,6 @@
             <a:pPr>
               <a:defRPr lang="de-de" cap="small"/>
             </a:pPr>
-            <a:endParaRPr/>
           </a:p>
         </p:txBody>
       </p:sp>
@@ -2680,7 +2635,7 @@
             <a:spLocks noGrp="1" noChangeArrowheads="1"/>
             <a:extLst>
               <a:ext uri="smNativeData">
-                <pr:smNativeData xmlns:pr="smNativeData" xmlns:p14="http://schemas.microsoft.com/office/powerpoint/2010/main" xmlns="" val="SMDATA_13_ec9PYBMAAAAlAAAAZAAAAA0AAAAAAAAAAAAAAAAAAAAAAAAAAAAAAAAAAAAAAAAAAAEAAABQAAAAAAAAAAAA4D8AAAAAAADgPwAAAAAAAOA/AAAAAAAA4D8AAAAAAADgPwAAAAAAAOA/AAAAAAAA4D8AAAAAAADgPwAAAAAAAOA/AAAAAAAA4D8CAAAAjAAAAAAAAAAAAAAAT4G9DP///wgAAAAAAAAAAAAAAAAAAAAAAAAAAAAAAAAAAAAAZAAAAAEAAABAAAAAAAAAAAAAAAAAAAAAAAAAAAAAAAAAAAAAAAAAAAAAAAAAAAAAAAAAAAAAAAAAAAAAAAAAAAAAAAAAAAAAAAAAAAAAAAAAAAAAAAAAAAAAAAAAAAAAFAAAADwAAAAAAAAAAAAAAAAAAAkUAAAAAQAAABQAAAAUAAAAFAAAAAEAAAAAAAAAZAAAAGQAAAAAAAAAZAAAAGQAAAAVAAAAYAAAAAAAAAAAAAAADwAAACADAAAAAAAAAAAAAAEAAACgMgAAVgcAAKr4//8BAAAAf39/AAEAAABkAAAAAAAAABQAAABAHwAAAAAAACYAAAAAAAAAwOD//wAAAAAmAAAAZAAAABYAAABMAAAAAAAAAAAAAAAEAAAAAAAAAAEAAADu7OEKAAAAACgAAAAoAAAAZAAAAGQAAAAAAAAAzMzMAAAAAABQAAAAUAAAAGQAAABkAAAAAAAAABcAAAAUAAAAAAAAAAAAAAD/fwAA/38AAAAAAAAJAAAABAAAAAAAAAAMAAAAEAAAAAAAAAAAAAAAAAAAAAAAAAAeAAAAaAAAAAAAAAAAAAAAAAAAAAAAAAAAAAAAECcAABAnAAAAAAAAAAAAAAAAAAAAAAAAAAAAAAAAAAAAAAAAAAAAABQAAAAAAAAAwMD/AAAAAABkAAAAMgAAAAAAAABkAAAAAAAAAH9/fwAKAAAAHwAAAFQAAABPgb0F////AQAAAAAAAAAAAAAAAAAAAAAAAAAAAAAAAAAAAAAAAAAAAAAAAn9/fwDu7OEDzMzMAMDA/wB/f38AAAAAAAAAAAAAAAAAAAAAAAAAAAAhAAAAGAAAABQAAADqAQAA4DgAAPAKAACYOgAAAAAAACYAAAAIAAAAPIAAAAAAAAA="/>
+                <pr:smNativeData xmlns:pr="smNativeData" val="SMDATA_13_eIVQYBMAAAAlAAAAZAAAAA0AAAAAAAAAAAAAAAAAAAAAAAAAAAAAAAAAAAAAAAAAAAEAAABQAAAAAAAAAAAA4D8AAAAAAADgPwAAAAAAAOA/AAAAAAAA4D8AAAAAAADgPwAAAAAAAOA/AAAAAAAA4D8AAAAAAADgPwAAAAAAAOA/AAAAAAAA4D8CAAAAjAAAAAAAAAAAAAAA////AP///wgAAAAAAAAAAAAAAAAAAAAAAAAAAAAAAAAAAAAAeAAAAAEAAABAAAAAAAAAAAAAAABaAAAAAAAAAAAAAAAAAAAAAAAAAAAAAAAAAAAAAAAAAAAAAAAAAAAAAAAAAAAAAAAAAAAAAAAAAAAAAAAAAAAAAAAAAAAAAAAAAAAAFAAAADwAAAAAAAAAAAAAAAAAAAAPAAAAAQAAACMAAAAjAAAAIwAAAB4AAAAAAAAAZAAAAGQAAAAAAAAAZAAAAGQAAAAVAAAAYAAAAAAAAAAAAAAADwAAACADAAAAAAAAAAAAAAEAAACgMgAAVgcAAKr4//8BAAAAf39/AAEAAABkAAAAAAAAABQAAABAHwAAAAAAACYAAAAAAAAAwOD//wAAAAAmAAAAZAAAABYAAABMAAAAAAAAAAAAAAAEAAAAAAAAAAEAAADu7OEKAAAAACgAAAAoAAAAZAAAAGQAAAAAAAAAzMzMAAAAAABQAAAAUAAAAGQAAABkAAAAAAAAABcAAAAUAAAAAAAAAAAAAAD/fwAA/38AAAAAAAAJAAAABAAAAAAAAAAMAAAAEAAAAAAAAAAAAAAAAAAAAAAAAAAeAAAAaAAAAAAAAAAAAAAAAAAAAAAAAAAAAAAAECcAABAnAAAAAAAAAAAAAAAAAAAAAAAAAAAAAAAAAAAAAAAAAAAAABQAAAAAAAAAwMD/AAAAAABkAAAAMgAAAAAAAABkAAAAAAAAAH9/fwAKAAAAHwAAAFQAAAD///8AAAAAAQAAAAAAAAAAAAAAAAAAAAAAAAAAAAAAAAAAAAAAAAAAAAAAAH9/fwAAAAADzMzMAMDA/wB/f38AAAAAAAAAAAAAAAAAAAAAAAAAAAAhAAAAGAAAABQAAADqAQAA4DgAAPAKAACYOgAAEAAAACYAAAAIAAAAPJAAAAAAAAA="/>
               </a:ext>
             </a:extLst>
           </p:cNvSpPr>
@@ -2736,17 +2691,18 @@
               <a:rPr lang="en-us"/>
               <a:t>25.03.2021</a:t>
             </a:r>
+            <a:endParaRPr lang="en-us"/>
           </a:p>
         </p:txBody>
       </p:sp>
       <p:sp>
         <p:nvSpPr>
           <p:cNvPr id="6" name="Holder 4"/>
-          <p:cNvSpPr>
-            <a:spLocks noGrp="1" noChangeArrowheads="1"/>
-            <a:extLst>
-              <a:ext uri="smNativeData">
-                <pr:smNativeData xmlns:pr="smNativeData" xmlns:p14="http://schemas.microsoft.com/office/powerpoint/2010/main" xmlns="" val="SMDATA_13_ec9PYBMAAAAlAAAAZAAAAA0AAAAAAAAAAAAAAAAAAAAAAAAAAAAAAAAAAAAAAAAAAAEAAABQAAAAAAAAAAAA4D8AAAAAAADgPwAAAAAAAOA/AAAAAAAA4D8AAAAAAADgPwAAAAAAAOA/AAAAAAAA4D8AAAAAAADgPwAAAAAAAOA/AAAAAAAA4D8CAAAAjAAAAAAAAAAAAAAAT4G9DP///wgAAAAAAAAAAAAAAAAAAAAAAAAAAAAAAAAAAAAAZAAAAAEAAABAAAAAAAAAAAAAAAAAAAAAAAAAAAAAAAAAAAAAAAAAAAAAAAAAAAAAAAAAAAAAAAAAAAAAAAAAAAAAAAAAAAAAAAAAAAAAAAAAAAAAAAAAAAAAAAAAAAAAFAAAADwAAAAAAAAAAAAAAAAAAAkUAAAAAQAAABQAAAAUAAAAFAAAAAEAAAAAAAAAZAAAAGQAAAAAAAAAZAAAAGQAAAAVAAAAYAAAAAAAAAAAAAAADwAAACADAAAAAAAAAAAAAAEAAACgMgAAVgcAAKr4//8BAAAAf39/AAEAAABkAAAAAAAAABQAAABAHwAAAAAAACYAAAAAAAAAwOD//wAAAAAmAAAAZAAAABYAAABMAAAAAAAAAAAAAAAEAAAAAAAAAAEAAADu7OEKAAAAACgAAAAoAAAAZAAAAGQAAAAAAAAAzMzMAAAAAABQAAAAUAAAAGQAAABkAAAAAAAAABcAAAAUAAAAAAAAAAAAAAD/fwAA/38AAAAAAAAJAAAABAAAAAAAAAAMAAAAEAAAAAAAAAAAAAAAAAAAAAAAAAAeAAAAaAAAAAAAAAAAAAAAAAAAAAAAAAAAAAAAECcAABAnAAAAAAAAAAAAAAAAAAAAAAAAAAAAAAAAAAAAAAAAAAAAABQAAAAAAAAAwMD/AAAAAABkAAAAMgAAAAAAAABkAAAAAAAAAH9/fwAKAAAAHwAAAFQAAABPgb0F////AQAAAAAAAAAAAAAAAAAAAAAAAAAAAAAAAAAAAAAAAAAAAAAAAn9/fwDu7OEDzMzMAMDA/wB/f38AAAAAAAAAAAAAAAAAAAAAAAAAAAAhAAAAGAAAABQAAAAAAAAAAAAAAAAAAAAAAAAAAAAAACYAAAAIAAAAPIAAAAAAAAA="/>
+          <p:cNvSpPr txBox="1">
+            <a:spLocks noGrp="1" noChangeArrowheads="1"/>
+            <a:extLst>
+              <a:ext uri="smNativeData">
+                <pr:smNativeData xmlns:pr="smNativeData" val="SMDATA_13_eIVQYBMAAAAlAAAAEgAAAA0AAAAAAAAAAAAAAAAAAAAAAAAAAAAAAAAAAAAAAAAAAAEAAABQAAAAAAAAAAAA4D8AAAAAAADgPwAAAAAAAOA/AAAAAAAA4D8AAAAAAADgPwAAAAAAAOA/AAAAAAAA4D8AAAAAAADgPwAAAAAAAOA/AAAAAAAA4D8CAAAAjAAAAAAAAAAAAAAA////AP///wgAAAAAAAAAAAAAAAAAAAAAAAAAAAAAAAAAAAAAeAAAAAEAAABAAAAAAAAAAAAAAABaAAAAAAAAAAAAAAAAAAAAAAAAAAAAAAAAAAAAAAAAAAAAAAAAAAAAAAAAAAAAAAAAAAAAAAAAAAAAAAAAAAAAAAAAAAAAAAAAAAAAFAAAADwAAAAAAAAAAAAAAAAAAAAPAAAAAQAAACMAAAAjAAAAIwAAAB4AAAAAAAAAZAAAAGQAAAAAAAAAZAAAAGQAAAAVAAAAYAAAAAAAAAAAAAAADwAAACADAAAAAAAAAAAAAAEAAACgMgAAVgcAAKr4//8BAAAAf39/AAEAAABkAAAAAAAAABQAAABAHwAAAAAAACYAAAAAAAAAwOD//wAAAAAmAAAAZAAAABYAAABMAAAAAAAAAAAAAAAEAAAAAAAAAAEAAADu7OEKAAAAACgAAAAoAAAAZAAAAGQAAAAAAAAAzMzMAAAAAABQAAAAUAAAAGQAAABkAAAAAAAAABcAAAAUAAAAAAAAAAAAAAD/fwAA/38AAAAAAAAJAAAABAAAADgAQwAMAAAAEAAAAAAAAAAAAAAAAAAAAAAAAAAeAAAAaAAAAAAAAAAAAAAAAAAAAAAAAAAAAAAAECcAABAnAAAAAAAAAAAAAAAAAAAAAAAAAAAAAAAAAAAAAAAAAAAAABQAAAAAAAAAwMD/AAAAAABkAAAAMgAAAAAAAABkAAAAAAAAAH9/fwAKAAAAHwAAAFQAAAD///8AAAAAAQAAAAAAAAAAAAAAAAAAAAAAAAAAAAAAAAAAAAAAAAAAAAAAAH9/fwAAAAADzMzMAMDA/wB/f38AAAAAAAAAAAAAAAAAAAAAAAAAAAAhAAAAGAAAABQAAAAAAAAAAAAAAAAAAAAAAAAAEAAAACYAAAAIAAAAPJEAAAAAAAA="/>
               </a:ext>
             </a:extLst>
           </p:cNvSpPr>
@@ -2754,7 +2710,11 @@
             <p:ph type="ftr" sz="quarter" idx="3"/>
           </p:nvPr>
         </p:nvSpPr>
-        <p:spPr/>
+        <p:spPr>
+          <a:prstGeom prst="rect">
+            <a:avLst/>
+          </a:prstGeom>
+        </p:spPr>
         <p:txBody>
           <a:bodyPr vert="horz" wrap="square" lIns="0" tIns="0" rIns="0" bIns="0" numCol="1" spcCol="215900" anchor="t">
             <a:prstTxWarp prst="textNoShape">
@@ -2802,6 +2762,7 @@
               <a:rPr lang="en-gb"/>
               <a:t>The Protection of Bystanders’ Privacy - Seminar on Privacy in Ubiquitous Computing</a:t>
             </a:r>
+            <a:endParaRPr lang="en-gb"/>
           </a:p>
         </p:txBody>
       </p:sp>
@@ -2812,7 +2773,7 @@
             <a:spLocks noGrp="1" noChangeArrowheads="1"/>
             <a:extLst>
               <a:ext uri="smNativeData">
-                <pr:smNativeData xmlns:pr="smNativeData" xmlns:p14="http://schemas.microsoft.com/office/powerpoint/2010/main" xmlns="" val="SMDATA_13_ec9PYBMAAAAlAAAAZAAAAA0AAAAAAAAAAAAAAAAAAAAAAAAAAAAAAAAAAAAAAAAAAAEAAABQAAAAAAAAAAAA4D8AAAAAAADgPwAAAAAAAOA/AAAAAAAA4D8AAAAAAADgPwAAAAAAAOA/AAAAAAAA4D8AAAAAAADgPwAAAAAAAOA/AAAAAAAA4D8CAAAAjAAAAAAAAAAAAAAAT4G9DP///wgAAAAAAAAAAAAAAAAAAAAAAAAAAAAAAAAAAAAAZAAAAAEAAABAAAAAAAAAAAAAAAAAAAAAAAAAAAAAAAAAAAAAAAAAAAAAAAAAAAAAAAAAAAAAAAAAAAAAAAAAAAAAAAAAAAAAAAAAAAAAAAAAAAAAAAAAAAAAAAAAAAAAFAAAADwAAAAAAAAAAAAAAAAAAAkUAAAAAQAAABQAAAAUAAAAFAAAAAEAAAAAAAAAZAAAAGQAAAAAAAAAZAAAAGQAAAAVAAAAYAAAAAAAAAAAAAAADwAAACADAAAAAAAAAAAAAAEAAACgMgAAVgcAAKr4//8BAAAAf39/AAEAAABkAAAAAAAAABQAAABAHwAAAAAAACYAAAAAAAAAwOD//wAAAAAmAAAAZAAAABYAAABMAAAAAAAAAAAAAAAEAAAAAAAAAAEAAADu7OEKAAAAACgAAAAoAAAAZAAAAGQAAAAAAAAAzMzMAAAAAABQAAAAUAAAAGQAAABkAAAAAAAAABcAAAAUAAAAAAAAAAAAAAD/fwAA/38AAAAAAAAJAAAABAAAAAAAAAAMAAAAEAAAAAAAAAAAAAAAAAAAAAAAAAAeAAAAaAAAAAAAAAAAAAAAAAAAAAAAAAAAAAAAECcAABAnAAAAAAAAAAAAAAAAAAAAAAAAAAAAAAAAAAAAAAAAAAAAABQAAAAAAAAAwMD/AAAAAABkAAAAMgAAAAAAAABkAAAAAAAAAH9/fwAKAAAAHwAAAFQAAABPgb0F////AQAAAAAAAAAAAAAAAAAAAAAAAAAAAAAAAAAAAAAAAAAAAAAAAn9/fwDu7OEDzMzMAMDA/wB/f38AAAAAAAAAAAAAAAAAAAAAAAAAAAAhAAAAGAAAABQAAADQSAAAGDkAABZOAACYOgAAEAAAACYAAAAIAAAAPIAAAAAAAAA="/>
+                <pr:smNativeData xmlns:pr="smNativeData" val="SMDATA_13_eIVQYBMAAAAlAAAAZAAAAA0AAAAAAAAAAAAAAAAAAAAAAAAAAAAAAAAAAAAAAAAAAAEAAABQAAAAAAAAAAAA4D8AAAAAAADgPwAAAAAAAOA/AAAAAAAA4D8AAAAAAADgPwAAAAAAAOA/AAAAAAAA4D8AAAAAAADgPwAAAAAAAOA/AAAAAAAA4D8CAAAAjAAAAAAAAAAAAAAA////AP///wgAAAAAAAAAAAAAAAAAAAAAAAAAAAAAAAAAAAAAeAAAAAEAAABAAAAAAAAAAAAAAABaAAAAAAAAAAAAAAAAAAAAAAAAAAAAAAAAAAAAAAAAAAAAAAAAAAAAAAAAAAAAAAAAAAAAAAAAAAAAAAAAAAAAAAAAAAAAAAAAAAAAFAAAADwAAAAAAAAAAAAAAAAAAAAPAAAAAQAAACMAAAAjAAAAIwAAAB4AAAAAAAAAZAAAAGQAAAAAAAAAZAAAAGQAAAAVAAAAYAAAAAAAAAAAAAAADwAAACADAAAAAAAAAAAAAAEAAACgMgAAVgcAAKr4//8BAAAAf39/AAEAAABkAAAAAAAAABQAAABAHwAAAAAAACYAAAAAAAAAwOD//wAAAAAmAAAAZAAAABYAAABMAAAAAAAAAAAAAAAEAAAAAAAAAAEAAADu7OEKAAAAACgAAAAoAAAAZAAAAGQAAAAAAAAAzMzMAAAAAABQAAAAUAAAAGQAAABkAAAAAAAAABcAAAAUAAAAAAAAAAAAAAD/fwAA/38AAAAAAAAJAAAABAAAAAAAAAAMAAAAEAAAAAAAAAAAAAAAAAAAAAAAAAAeAAAAaAAAAAAAAAAAAAAAAAAAAAAAAAAAAAAAECcAABAnAAAAAAAAAAAAAAAAAAAAAAAAAAAAAAAAAAAAAAAAAAAAABQAAAAAAAAAwMD/AAAAAABkAAAAMgAAAAAAAABkAAAAAAAAAH9/fwAKAAAAHwAAAFQAAAD///8AAAAAAQAAAAAAAAAAAAAAAAAAAAAAAAAAAAAAAAAAAAAAAAAAAAAAAH9/fwAAAAADzMzMAMDA/wB/f38AAAAAAAAAAAAAAAAAAAAAAAAAAAAhAAAAGAAAABQAAADQSAAAGDkAABZOAACYOgAAEAAAACYAAAAIAAAAPJAAAAAAAAA="/>
               </a:ext>
             </a:extLst>
           </p:cNvSpPr>
@@ -2864,10 +2825,9 @@
             <a:pPr>
               <a:defRPr lang="de-de"/>
             </a:pPr>
-            <a:fld id="{70411597-D99D-14E3-D3F9-2FB65BB7257A}" type="slidenum">
+            <a:fld id="{0A2592B0-FEE7-7064-A99D-0831DCD35F5D}" type="slidenum">
               <a:t>‹#›</a:t>
             </a:fld>
-            <a:endParaRPr/>
           </a:p>
         </p:txBody>
       </p:sp>
@@ -2880,7 +2840,7 @@
 </file>
 
 <file path=ppt/slideLayouts/slideLayout6.xml><?xml version="1.0" encoding="utf-8"?>
-<p:sldLayout xmlns:a="http://schemas.openxmlformats.org/drawingml/2006/main" xmlns:r="http://schemas.openxmlformats.org/officeDocument/2006/relationships" xmlns:p="http://schemas.openxmlformats.org/presentationml/2006/main" type="blank" preserve="1">
+<p:sldLayout xmlns:p="http://schemas.openxmlformats.org/presentationml/2006/main" xmlns:p14="http://schemas.microsoft.com/office/powerpoint/2010/main" xmlns:r="http://schemas.openxmlformats.org/officeDocument/2006/relationships" xmlns:a="http://schemas.openxmlformats.org/drawingml/2006/main" type="blank" preserve="1">
   <p:cSld name="Text &amp; Bild">
     <p:spTree>
       <p:nvGrpSpPr>
@@ -2902,7 +2862,7 @@
           <p:cNvSpPr>
             <a:extLst>
               <a:ext uri="smNativeData">
-                <pr:smNativeData xmlns:pr="smNativeData" xmlns:p14="http://schemas.microsoft.com/office/powerpoint/2010/main" xmlns="" val="SMDATA_13_ec9PYBMAAAAlAAAACwAAAA0AAAAAAAAAAAAAAAAAAAAAAAAAAAAAAAAAAAAAAAAAAAEAAABQAAAAAAAAAAAA4D8AAAAAAADgPwAAAAAAAOA/AAAAAAAA4D8AAAAAAADgPwAAAAAAAOA/AAAAAAAA4D8AAAAAAADgPwAAAAAAAOA/AAAAAAAA4D8CAAAAjAAAAAEAAAADAAAAECU/AA+W1AAAAAAAAAAAAAAAAAAAAAAAAAAAAAAAAAAAAAAAeAAAAAEAAABAAAAAZAAAAAAAAABoAQAAAAAAAAAAAAAAAAAAAAAAAAAAAAAAAAAAAAAAAAAAAAAAAAAAAAAAAAAAAAAAAAAAAAAAAAAAAAAAAAAAAAAAAAAAAAAAAAAAFAAAADwAAAAAAAAAAAAAAAAAAAAPAAAAAQAAACMAAAAjAAAAIwAAAB4AAAAAAAAAZAAAAGQAAAAAAAAAZAAAAGQAAAAVAAAAYAAAAAAAAAAAAAAADwAAACADAAAAAAAAAAAAAAEAAACgMgAAVgcAAKr4//8BAAAAf39/AAEAAABkAAAAAAAAABQAAABAHwAAAAAAACYAAAAAAAAAwOD//wAAAAAmAAAAZAAAABYAAABMAAAAAAAAAAAAAAAEAAAAAAAAAAEAAADu7OEKAAAAACgAAAAoAAAAZAAAAGQAAAAAAAAAzMzMAAAAAABQAAAAUAAAAGQAAABkAAAAAAAAABcAAAAUAAAAAAAAAAAAAAD/fwAA/38AAAAAAAAJAAAABAAAAC4AAAAMAAAAEAAAAAAAAAAAAAAAAAAAAAAAAAAeAAAAaAAAAAEAAAAAAAAAAAAAAAAAAAAAAAAAECcAABAnAAAAAAAAAAAAAAAAAAAAAAAAAAAAAAAAAAAAAAAAAAAAABQAAAAAAAAAwMD/AAAAAABkAAAAMgAAAAAAAABkAAAAAAAAAH9/fwAKAAAAHwAAAFQAAAAQJT8AD5bUAAAAAAAAAAAAAAAAAAAAAAAAAAAAAAAAAAAAAAAAAAAAAAAAAH9/fwDu7OEDzMzMAMDA/wB/f38AAAAAAAAAAAAAAAAAAAAAAAAAAAAhAAAAGAAAABQAAAAAAAAAoggAAABQAACUDgAAEAAAACYAAAAIAAAA//////////8="/>
+                <pr:smNativeData xmlns:pr="smNativeData" val="SMDATA_13_eIVQYBMAAAAlAAAACwAAAA0AAAAAAAAAAAAAAAAAAAAAAAAAAAAAAAAAAAAAAAAAAAEAAABQAAAAAAAAAAAA4D8AAAAAAADgPwAAAAAAAOA/AAAAAAAA4D8AAAAAAADgPwAAAAAAAOA/AAAAAAAA4D8AAAAAAADgPwAAAAAAAOA/AAAAAAAA4D8CAAAAjAAAAAEAAAADAAAAECU/AA+W1AAAAAAAAAAAAAAAAAAAAAAAAAAAAAAAAAAAAAAAeAAAAAEAAABAAAAAZAAAAAAAAABoAQAAAAAAAAAAAAAAAAAAAAAAAAAAAAAAAAAAAAAAAAAAAAAAAAAAAAAAAAAAAAAAAAAAAAAAAAAAAAAAAAAAAAAAAAAAAAAAAAAAFAAAADwAAAAAAAAAAAAAAAAAAAkUAAAAAQAAABQAAAAUAAAAFAAAAAEAAAAAAAAAZAAAAGQAAAAAAAAAZAAAAGQAAAAVAAAAYAAAAAAAAAAAAAAADwAAACADAAAAAAAAAAAAAAEAAACgMgAAVgcAAKr4//8BAAAAf39/AAEAAABkAAAAAAAAABQAAABAHwAAAAAAACYAAAAAAAAAwOD//wAAAAAmAAAAZAAAABYAAABMAAAAAAAAAAAAAAAEAAAAAAAAAAEAAADu7OEKAAAAACgAAAAoAAAAZAAAAGQAAAAAAAAAzMzMAAAAAABQAAAAUAAAAGQAAABkAAAAAAAAABcAAAAUAAAAAAAAAAAAAAD/fwAA/38AAAAAAAAJAAAABAAAAC4AAAAMAAAAEAAAAAAAAAAAAAAAAAAAAAAAAAAeAAAAaAAAAAEAAAAAAAAAAAAAAAAAAAAAAAAAECcAABAnAAAAAAAAAAAAAAAAAAAAAAAAAAAAAAAAAAAAAAAAAAAAABQAAAAAAAAAwMD/AAAAAAAAAAAAAAAAAAAAAABkAAAAAAAAAH9/fwAKAAAAHwAAAFQAAAAQJT8AD5bUAAAAAAAAAAAAAAAAAAAAAAAAAAAAAAAAAAAAAAAAAAAAAAAAAn9/fwAAAAADzMzMAMDA/wB/f38AAAAAAAAAAAAAAAAAAAAAAAAAAAAhAAAAGAAAABQAAAAAAAAAoggAAABQAACUDgAAEAAAACYAAAAIAAAA//////////8="/>
               </a:ext>
             </a:extLst>
           </p:cNvSpPr>
@@ -2964,7 +2924,6 @@
             <a:pPr>
               <a:defRPr lang="de-de"/>
             </a:pPr>
-            <a:endParaRPr/>
           </a:p>
         </p:txBody>
       </p:sp>
@@ -2975,7 +2934,7 @@
             <a:spLocks noGrp="1" noChangeArrowheads="1"/>
             <a:extLst>
               <a:ext uri="smNativeData">
-                <pr:smNativeData xmlns:pr="smNativeData" xmlns:p14="http://schemas.microsoft.com/office/powerpoint/2010/main" xmlns="" val="SMDATA_13_ec9PYBMAAAAlAAAAZAAAAE0AAAAAAAAAAAAAAAAAAAAAAAAAAAAAAAAAAAAAAAAAAAEAAABQAAAAAAAAAAAA4D8AAAAAAADgPwAAAAAAAOA/AAAAAAAA4D8AAAAAAADgPwAAAAAAAOA/AAAAAAAA4D8AAAAAAADgPwAAAAAAAOA/AAAAAAAA4D8CAAAAjAAAAAAAAAAAAAAAT4G9DP///wgAAAAAAAAAAAAAAAAAAAAAAAAAAAAAAAAAAAAAZAAAAAEAAABAAAAAAAAAAAAAAAAAAAAAAAAAAAAAAAAAAAAAAAAAAAAAAAAAAAAAAAAAAAAAAAAAAAAAAAAAAAAAAAAAAAAAAAAAAAAAAAAAAAAAAAAAAAAAAAAAAAAAFAAAADwAAAAAAAAAAAAAAAAAAAkUAAAAAQAAABQAAAAUAAAAFAAAAAEAAAAAAAAAZAAAAGQAAAAAAAAAZAAAAGQAAAAVAAAAYAAAAAAAAAAAAAAADwAAACADAAAAAAAAAAAAAAEAAACgMgAAVgcAAKr4//8BAAAAf39/AAEAAABkAAAAAAAAABQAAABAHwAAAAAAACYAAAAAAAAAwOD//wAAAAAmAAAAZAAAABYAAABMAAAAAAAAAAAAAAAEAAAAAAAAAAEAAADu7OEKAAAAACgAAAAoAAAAZAAAAGQAAAAAAAAAzMzMAAAAAABQAAAAUAAAAGQAAABkAAAAAAAAABcAAAAUAAAAAAAAAAAAAAD/fwAA/38AAAAAAAAJAAAABAAAAAAAAAAMAAAAEAAAAAAAAAAAAAAAAAAAAAAAAAAeAAAAaAAAAAAAAAAAAAAAAAAAAAAAAAAAAAAAECcAABAnAAAAAAAAAAAAAAAAAAAAAAAAAAAAAAAAAAAAAAAAAAAAABQAAAAAAAAAwMD/AAAAAABkAAAAMgAAAAAAAABkAAAAAAAAAH9/fwAKAAAAHwAAAFQAAABPgb0F////AQAAAAAAAAAAAAAAAAAAAAAAAAAAAAAAAAAAAAAAAAAAAAAAAn9/fwDu7OEDzMzMAMDA/wB/f38AAAAAAAAAAAAAAAAAAAAAAAAAAAAhAAAAGAAAABQAAAAQJwAAlA4AABpQAACYNwAAECAAACYAAAAIAAAAPTAAAAAAAAA="/>
+                <pr:smNativeData xmlns:pr="smNativeData" val="SMDATA_13_eIVQYBMAAAAlAAAAZAAAAA0AAAAAAAAAAAAAAAAAAAAAAAAAAAAAAAAAAAAAAAAAAAEAAABQAAAAAAAAAAAA4D8AAAAAAADgPwAAAAAAAOA/AAAAAAAA4D8AAAAAAADgPwAAAAAAAOA/AAAAAAAA4D8AAAAAAADgPwAAAAAAAOA/AAAAAAAA4D8CAAAAjAAAAAAAAAAAAAAA////AP///wgAAAAAAAAAAAAAAAAAAAAAAAAAAAAAAAAAAAAAeAAAAAEAAABAAAAAAAAAAAAAAABaAAAAAAAAAAAAAAAAAAAAAAAAAAAAAAAAAAAAAAAAAAAAAAAAAAAAAAAAAAAAAAAAAAAAAAAAAAAAAAAAAAAAAAAAAAAAAAAAAAAAFAAAADwAAAAAAAAAAAAAAAAAAAAPAAAAAQAAACMAAAAjAAAAIwAAAB4AAAAAAAAAZAAAAGQAAAAAAAAAZAAAAGQAAAAVAAAAYAAAAAAAAAAAAAAADwAAACADAAAAAAAAAAAAAAEAAACgMgAAVgcAAKr4//8BAAAAf39/AAEAAABkAAAAAAAAABQAAABAHwAAAAAAACYAAAAAAAAAwOD//wAAAAAmAAAAZAAAABYAAABMAAAAAAAAAAAAAAAEAAAAAAAAAAEAAADu7OEKAAAAACgAAAAoAAAAZAAAAGQAAAAAAAAAzMzMAAAAAABQAAAAUAAAAGQAAABkAAAAAAAAABcAAAAUAAAAAAAAAAAAAAD/fwAA/38AAAAAAAAJAAAABAAAAAAAAAAMAAAAEAAAAAAAAAAAAAAAAAAAAAAAAAAeAAAAaAAAAAAAAAAAAAAAAAAAAAAAAAAAAAAAECcAABAnAAAAAAAAAAAAAAAAAAAAAAAAAAAAAAAAAAAAAAAAAAAAABQAAAAAAAAAwMD/AAAAAABkAAAAMgAAAAAAAABkAAAAAAAAAH9/fwAKAAAAHwAAAFQAAAD///8AAAAAAQAAAAAAAAAAAAAAAAAAAAAAAAAAAAAAAAAAAAAAAAAAAAAAAH9/fwAAAAADzMzMAMDA/wB/f38AAAAAAAAAAAAAAAAAAAAAAAAAAAAhAAAAGAAAABQAAAAQJwAAlA4AABpQAACYNwAAEAAAACYAAAAIAAAAPRAAAAAAAAA="/>
               </a:ext>
             </a:extLst>
           </p:cNvSpPr>
@@ -3000,7 +2959,6 @@
             <a:pPr>
               <a:defRPr lang="de-de"/>
             </a:pPr>
-            <a:endParaRPr/>
           </a:p>
         </p:txBody>
       </p:sp>
@@ -3011,7 +2969,7 @@
             <a:spLocks noGrp="1" noChangeArrowheads="1"/>
             <a:extLst>
               <a:ext uri="smNativeData">
-                <pr:smNativeData xmlns:pr="smNativeData" xmlns:p14="http://schemas.microsoft.com/office/powerpoint/2010/main" xmlns="" val="SMDATA_13_ec9PYBMAAAAlAAAAZAAAAA0AAAAAAAAAAAAAAAAAAAAAAAAAAAAAAAAAAAAAAAAAAAEAAABQAAAAAAAAAAAA4D8AAAAAAADgPwAAAAAAAOA/AAAAAAAA4D8AAAAAAADgPwAAAAAAAOA/AAAAAAAA4D8AAAAAAADgPwAAAAAAAOA/AAAAAAAA4D8CAAAAjAAAAAAAAAAAAAAAT4G9DP///wgAAAAAAAAAAAAAAAAAAAAAAAAAAAAAAAAAAAAAZAAAAAEAAABAAAAAAAAAAAAAAAAAAAAAAAAAAAAAAAAAAAAAAAAAAAAAAAAAAAAAAAAAAAAAAAAAAAAAAAAAAAAAAAAAAAAAAAAAAAAAAAAAAAAAAAAAAAAAAAAAAAAAFAAAADwAAAAAAAAAAAAAAAAAAAkUAAAAAQAAABQAAAAUAAAAFAAAAAEAAAAAAAAAZAAAAGQAAAAAAAAAZAAAAGQAAAAVAAAAYAAAAAAAAAAAAAAADwAAACADAAAAAAAAAAAAAAEAAACgMgAAVgcAAKr4//8BAAAAf39/AAEAAABkAAAAAAAAABQAAABAHwAAAAAAACYAAAAAAAAAwOD//wAAAAAmAAAAZAAAABYAAABMAAAAAAAAAAAAAAAEAAAAAAAAAAEAAADu7OEKAAAAACgAAAAoAAAAZAAAAGQAAAAAAAAAzMzMAAAAAABQAAAAUAAAAGQAAABkAAAAAAAAABcAAAAUAAAAAAAAAAAAAAD/fwAA/38AAAAAAAAJAAAABAAAAAAAAAAMAAAAEAAAAAAAAAAAAAAAAAAAAAAAAAAeAAAAaAAAAAAAAAAAAAAAAAAAAAAAAAAAAAAAECcAABAnAAAAAAAAAAAAAAAAAAAAAAAAAAAAAAAAAAAAAAAAAAAAABQAAAAAAAAAwMD/AAAAAABkAAAAMgAAAAAAAABkAAAAAAAAAH9/fwAKAAAAHwAAAFQAAABPgb0F////AQAAAAAAAAAAAAAAAAAAAAAAAAAAAAAAAAAAAAAAAAAAAAAAAn9/fwDu7OEDzMzMAMDA/wB/f38AAAAAAAAAAAAAAAAAAAAAAAAAAAAhAAAAGAAAABQAAADqAQAA4DgAAPAKAACYOgAAAAAAACYAAAAIAAAAPIAAAAAAAAA="/>
+                <pr:smNativeData xmlns:pr="smNativeData" val="SMDATA_13_eIVQYBMAAAAlAAAAZAAAAA0AAAAAAAAAAAAAAAAAAAAAAAAAAAAAAAAAAAAAAAAAAAEAAABQAAAAAAAAAAAA4D8AAAAAAADgPwAAAAAAAOA/AAAAAAAA4D8AAAAAAADgPwAAAAAAAOA/AAAAAAAA4D8AAAAAAADgPwAAAAAAAOA/AAAAAAAA4D8CAAAAjAAAAAAAAAAAAAAA////AP///wgAAAAAAAAAAAAAAAAAAAAAAAAAAAAAAAAAAAAAeAAAAAEAAABAAAAAAAAAAAAAAABaAAAAAAAAAAAAAAAAAAAAAAAAAAAAAAAAAAAAAAAAAAAAAAAAAAAAAAAAAAAAAAAAAAAAAAAAAAAAAAAAAAAAAAAAAAAAAAAAAAAAFAAAADwAAAAAAAAAAAAAAAAAAAAPAAAAAQAAACMAAAAjAAAAIwAAAB4AAAAAAAAAZAAAAGQAAAAAAAAAZAAAAGQAAAAVAAAAYAAAAAAAAAAAAAAADwAAACADAAAAAAAAAAAAAAEAAACgMgAAVgcAAKr4//8BAAAAf39/AAEAAABkAAAAAAAAABQAAABAHwAAAAAAACYAAAAAAAAAwOD//wAAAAAmAAAAZAAAABYAAABMAAAAAAAAAAAAAAAEAAAAAAAAAAEAAADu7OEKAAAAACgAAAAoAAAAZAAAAGQAAAAAAAAAzMzMAAAAAABQAAAAUAAAAGQAAABkAAAAAAAAABcAAAAUAAAAAAAAAAAAAAD/fwAA/38AAAAAAAAJAAAABAAAAAAAAAAMAAAAEAAAAAAAAAAAAAAAAAAAAAAAAAAeAAAAaAAAAAAAAAAAAAAAAAAAAAAAAAAAAAAAECcAABAnAAAAAAAAAAAAAAAAAAAAAAAAAAAAAAAAAAAAAAAAAAAAABQAAAAAAAAAwMD/AAAAAABkAAAAMgAAAAAAAABkAAAAAAAAAH9/fwAKAAAAHwAAAFQAAAD///8AAAAAAQAAAAAAAAAAAAAAAAAAAAAAAAAAAAAAAAAAAAAAAAAAAAAAAH9/fwAAAAADzMzMAMDA/wB/f38AAAAAAAAAAAAAAAAAAAAAAAAAAAAhAAAAGAAAABQAAADqAQAA4DgAAPAKAACYOgAAEAAAACYAAAAIAAAAPJAAAAAAAAA="/>
               </a:ext>
             </a:extLst>
           </p:cNvSpPr>
@@ -3067,17 +3025,18 @@
               <a:rPr lang="en-us"/>
               <a:t>25.03.2021</a:t>
             </a:r>
+            <a:endParaRPr lang="en-us"/>
           </a:p>
         </p:txBody>
       </p:sp>
       <p:sp>
         <p:nvSpPr>
           <p:cNvPr id="5" name="Holder 4"/>
-          <p:cNvSpPr>
-            <a:spLocks noGrp="1" noChangeArrowheads="1"/>
-            <a:extLst>
-              <a:ext uri="smNativeData">
-                <pr:smNativeData xmlns:pr="smNativeData" xmlns:p14="http://schemas.microsoft.com/office/powerpoint/2010/main" xmlns="" val="SMDATA_13_ec9PYBMAAAAlAAAAZAAAAA0AAAAAAAAAAAAAAAAAAAAAAAAAAAAAAAAAAAAAAAAAAAEAAABQAAAAAAAAAAAA4D8AAAAAAADgPwAAAAAAAOA/AAAAAAAA4D8AAAAAAADgPwAAAAAAAOA/AAAAAAAA4D8AAAAAAADgPwAAAAAAAOA/AAAAAAAA4D8CAAAAjAAAAAAAAAAAAAAAT4G9DP///wgAAAAAAAAAAAAAAAAAAAAAAAAAAAAAAAAAAAAAZAAAAAEAAABAAAAAAAAAAAAAAAAAAAAAAAAAAAAAAAAAAAAAAAAAAAAAAAAAAAAAAAAAAAAAAAAAAAAAAAAAAAAAAAAAAAAAAAAAAAAAAAAAAAAAAAAAAAAAAAAAAAAAFAAAADwAAAAAAAAAAAAAAAAAAAkUAAAAAQAAABQAAAAUAAAAFAAAAAEAAAAAAAAAZAAAAGQAAAAAAAAAZAAAAGQAAAAVAAAAYAAAAAAAAAAAAAAADwAAACADAAAAAAAAAAAAAAEAAACgMgAAVgcAAKr4//8BAAAAf39/AAEAAABkAAAAAAAAABQAAABAHwAAAAAAACYAAAAAAAAAwOD//wAAAAAmAAAAZAAAABYAAABMAAAAAAAAAAAAAAAEAAAAAAAAAAEAAADu7OEKAAAAACgAAAAoAAAAZAAAAGQAAAAAAAAAzMzMAAAAAABQAAAAUAAAAGQAAABkAAAAAAAAABcAAAAUAAAAAAAAAAAAAAD/fwAA/38AAAAAAAAJAAAABAAAAAAAAAAMAAAAEAAAAAAAAAAAAAAAAAAAAAAAAAAeAAAAaAAAAAAAAAAAAAAAAAAAAAAAAAAAAAAAECcAABAnAAAAAAAAAAAAAAAAAAAAAAAAAAAAAAAAAAAAAAAAAAAAABQAAAAAAAAAwMD/AAAAAABkAAAAMgAAAAAAAABkAAAAAAAAAH9/fwAKAAAAHwAAAFQAAABPgb0F////AQAAAAAAAAAAAAAAAAAAAAAAAAAAAAAAAAAAAAAAAAAAAAAAAn9/fwDu7OEDzMzMAMDA/wB/f38AAAAAAAAAAAAAAAAAAAAAAAAAAAAhAAAAGAAAABQAAAAAAAAAAAAAAAAAAAAAAAAAAAAAACYAAAAIAAAAPIAAAAAAAAA="/>
+          <p:cNvSpPr txBox="1">
+            <a:spLocks noGrp="1" noChangeArrowheads="1"/>
+            <a:extLst>
+              <a:ext uri="smNativeData">
+                <pr:smNativeData xmlns:pr="smNativeData" val="SMDATA_13_eIVQYBMAAAAlAAAAEgAAAA0AAAAAAAAAAAAAAAAAAAAAAAAAAAAAAAAAAAAAAAAAAAEAAABQAAAAAAAAAAAA4D8AAAAAAADgPwAAAAAAAOA/AAAAAAAA4D8AAAAAAADgPwAAAAAAAOA/AAAAAAAA4D8AAAAAAADgPwAAAAAAAOA/AAAAAAAA4D8CAAAAjAAAAAAAAAAAAAAA////AP///wgAAAAAAAAAAAAAAAAAAAAAAAAAAAAAAAAAAAAAeAAAAAEAAABAAAAAAAAAAAAAAABaAAAAAAAAAAAAAAAAAAAAAAAAAAAAAAAAAAAAAAAAAAAAAAAAAAAAAAAAAAAAAAAAAAAAAAAAAAAAAAAAAAAAAAAAAAAAAAAAAAAAFAAAADwAAAAAAAAAAAAAAAAAAAAPAAAAAQAAACMAAAAjAAAAIwAAAB4AAAAAAAAAZAAAAGQAAAAAAAAAZAAAAGQAAAAVAAAAYAAAAAAAAAAAAAAADwAAACADAAAAAAAAAAAAAAEAAACgMgAAVgcAAKr4//8BAAAAf39/AAEAAABkAAAAAAAAABQAAABAHwAAAAAAACYAAAAAAAAAwOD//wAAAAAmAAAAZAAAABYAAABMAAAAAAAAAAAAAAAEAAAAAAAAAAEAAADu7OEKAAAAACgAAAAoAAAAZAAAAGQAAAAAAAAAzMzMAAAAAABQAAAAUAAAAGQAAABkAAAAAAAAABcAAAAUAAAAAAAAAAAAAAD/fwAA/38AAAAAAAAJAAAABAAAADgAQwAMAAAAEAAAAAAAAAAAAAAAAAAAAAAAAAAeAAAAaAAAAAAAAAAAAAAAAAAAAAAAAAAAAAAAECcAABAnAAAAAAAAAAAAAAAAAAAAAAAAAAAAAAAAAAAAAAAAAAAAABQAAAAAAAAAwMD/AAAAAABkAAAAMgAAAAAAAABkAAAAAAAAAH9/fwAKAAAAHwAAAFQAAAD///8AAAAAAQAAAAAAAAAAAAAAAAAAAAAAAAAAAAAAAAAAAAAAAAAAAAAAAH9/fwAAAAADzMzMAMDA/wB/f38AAAAAAAAAAAAAAAAAAAAAAAAAAAAhAAAAGAAAABQAAAAAAAAAAAAAAAAAAAAAAAAAEAAAACYAAAAIAAAAPJEAAAAAAAA="/>
               </a:ext>
             </a:extLst>
           </p:cNvSpPr>
@@ -3085,7 +3044,11 @@
             <p:ph type="ftr" sz="quarter" idx="3"/>
           </p:nvPr>
         </p:nvSpPr>
-        <p:spPr/>
+        <p:spPr>
+          <a:prstGeom prst="rect">
+            <a:avLst/>
+          </a:prstGeom>
+        </p:spPr>
         <p:txBody>
           <a:bodyPr vert="horz" wrap="square" lIns="0" tIns="0" rIns="0" bIns="0" numCol="1" spcCol="215900" anchor="t">
             <a:prstTxWarp prst="textNoShape">
@@ -3133,6 +3096,7 @@
               <a:rPr lang="en-gb"/>
               <a:t>The Protection of Bystanders’ Privacy - Seminar on Privacy in Ubiquitous Computing</a:t>
             </a:r>
+            <a:endParaRPr lang="en-gb"/>
           </a:p>
         </p:txBody>
       </p:sp>
@@ -3143,7 +3107,7 @@
             <a:spLocks noGrp="1" noChangeArrowheads="1"/>
             <a:extLst>
               <a:ext uri="smNativeData">
-                <pr:smNativeData xmlns:pr="smNativeData" xmlns:p14="http://schemas.microsoft.com/office/powerpoint/2010/main" xmlns="" val="SMDATA_13_ec9PYBMAAAAlAAAAZAAAAA0AAAAAAAAAAAAAAAAAAAAAAAAAAAAAAAAAAAAAAAAAAAEAAABQAAAAAAAAAAAA4D8AAAAAAADgPwAAAAAAAOA/AAAAAAAA4D8AAAAAAADgPwAAAAAAAOA/AAAAAAAA4D8AAAAAAADgPwAAAAAAAOA/AAAAAAAA4D8CAAAAjAAAAAAAAAAAAAAAT4G9DP///wgAAAAAAAAAAAAAAAAAAAAAAAAAAAAAAAAAAAAAZAAAAAEAAABAAAAAAAAAAAAAAAAAAAAAAAAAAAAAAAAAAAAAAAAAAAAAAAAAAAAAAAAAAAAAAAAAAAAAAAAAAAAAAAAAAAAAAAAAAAAAAAAAAAAAAAAAAAAAAAAAAAAAFAAAADwAAAAAAAAAAAAAAAAAAAkUAAAAAQAAABQAAAAUAAAAFAAAAAEAAAAAAAAAZAAAAGQAAAAAAAAAZAAAAGQAAAAVAAAAYAAAAAAAAAAAAAAADwAAACADAAAAAAAAAAAAAAEAAACgMgAAVgcAAKr4//8BAAAAf39/AAEAAABkAAAAAAAAABQAAABAHwAAAAAAACYAAAAAAAAAwOD//wAAAAAmAAAAZAAAABYAAABMAAAAAAAAAAAAAAAEAAAAAAAAAAEAAADu7OEKAAAAACgAAAAoAAAAZAAAAGQAAAAAAAAAzMzMAAAAAABQAAAAUAAAAGQAAABkAAAAAAAAABcAAAAUAAAAAAAAAAAAAAD/fwAA/38AAAAAAAAJAAAABAAAAAAAAAAMAAAAEAAAAAAAAAAAAAAAAAAAAAAAAAAeAAAAaAAAAAAAAAAAAAAAAAAAAAAAAAAAAAAAECcAABAnAAAAAAAAAAAAAAAAAAAAAAAAAAAAAAAAAAAAAAAAAAAAABQAAAAAAAAAwMD/AAAAAABkAAAAMgAAAAAAAABkAAAAAAAAAH9/fwAKAAAAHwAAAFQAAABPgb0F////AQAAAAAAAAAAAAAAAAAAAAAAAAAAAAAAAAAAAAAAAAAAAAAAAn9/fwDu7OEDzMzMAMDA/wB/f38AAAAAAAAAAAAAAAAAAAAAAAAAAAAhAAAAGAAAABQAAADQSAAAGDkAABZOAACYOgAAEAAAACYAAAAIAAAAPIAAAAAAAAA="/>
+                <pr:smNativeData xmlns:pr="smNativeData" val="SMDATA_13_eIVQYBMAAAAlAAAAZAAAAA0AAAAAAAAAAAAAAAAAAAAAAAAAAAAAAAAAAAAAAAAAAAEAAABQAAAAAAAAAAAA4D8AAAAAAADgPwAAAAAAAOA/AAAAAAAA4D8AAAAAAADgPwAAAAAAAOA/AAAAAAAA4D8AAAAAAADgPwAAAAAAAOA/AAAAAAAA4D8CAAAAjAAAAAAAAAAAAAAA////AP///wgAAAAAAAAAAAAAAAAAAAAAAAAAAAAAAAAAAAAAeAAAAAEAAABAAAAAAAAAAAAAAABaAAAAAAAAAAAAAAAAAAAAAAAAAAAAAAAAAAAAAAAAAAAAAAAAAAAAAAAAAAAAAAAAAAAAAAAAAAAAAAAAAAAAAAAAAAAAAAAAAAAAFAAAADwAAAAAAAAAAAAAAAAAAAAPAAAAAQAAACMAAAAjAAAAIwAAAB4AAAAAAAAAZAAAAGQAAAAAAAAAZAAAAGQAAAAVAAAAYAAAAAAAAAAAAAAADwAAACADAAAAAAAAAAAAAAEAAACgMgAAVgcAAKr4//8BAAAAf39/AAEAAABkAAAAAAAAABQAAABAHwAAAAAAACYAAAAAAAAAwOD//wAAAAAmAAAAZAAAABYAAABMAAAAAAAAAAAAAAAEAAAAAAAAAAEAAADu7OEKAAAAACgAAAAoAAAAZAAAAGQAAAAAAAAAzMzMAAAAAABQAAAAUAAAAGQAAABkAAAAAAAAABcAAAAUAAAAAAAAAAAAAAD/fwAA/38AAAAAAAAJAAAABAAAAAAAAAAMAAAAEAAAAAAAAAAAAAAAAAAAAAAAAAAeAAAAaAAAAAAAAAAAAAAAAAAAAAAAAAAAAAAAECcAABAnAAAAAAAAAAAAAAAAAAAAAAAAAAAAAAAAAAAAAAAAAAAAABQAAAAAAAAAwMD/AAAAAABkAAAAMgAAAAAAAABkAAAAAAAAAH9/fwAKAAAAHwAAAFQAAAD///8AAAAAAQAAAAAAAAAAAAAAAAAAAAAAAAAAAAAAAAAAAAAAAAAAAAAAAH9/fwAAAAADzMzMAMDA/wB/f38AAAAAAAAAAAAAAAAAAAAAAAAAAAAhAAAAGAAAABQAAADQSAAAGDkAABZOAACYOgAAEAAAACYAAAAIAAAAPJAAAAAAAAA="/>
               </a:ext>
             </a:extLst>
           </p:cNvSpPr>
@@ -3195,10 +3159,9 @@
             <a:pPr>
               <a:defRPr lang="de-de"/>
             </a:pPr>
-            <a:fld id="{47F9B90D-43AA-AC4F-E441-B51AF70F12E0}" type="slidenum">
+            <a:fld id="{765BBC7B-359B-0E4A-D5E3-C31FF2AD2396}" type="slidenum">
               <a:t>‹#›</a:t>
             </a:fld>
-            <a:endParaRPr/>
           </a:p>
         </p:txBody>
       </p:sp>
@@ -3209,7 +3172,7 @@
             <a:spLocks noGrp="1" noChangeArrowheads="1"/>
             <a:extLst>
               <a:ext uri="smNativeData">
-                <pr:smNativeData xmlns:pr="smNativeData" xmlns:p14="http://schemas.microsoft.com/office/powerpoint/2010/main" xmlns="" val="SMDATA_13_ec9PYBMAAAAlAAAAZAAAAE0AAAAAAAAAAAAAAAAAAAAAAAAAAAAAAAAAAAAAAAAAAAEAAABQAAAAAAAAAAAA4D8AAAAAAADgPwAAAAAAAOA/AAAAAAAA4D8AAAAAAADgPwAAAAAAAOA/AAAAAAAA4D8AAAAAAADgPwAAAAAAAOA/AAAAAAAA4D8CAAAAjAAAAAAAAAAAAAAAT4G9DP///wgAAAAAAAAAAAAAAAAAAAAAAAAAAAAAAAAAAAAAZAAAAAEAAABAAAAAAAAAAAAAAAAAAAAAAAAAAAAAAAAAAAAAAAAAAAAAAAAAAAAAAAAAAAAAAAAAAAAAAAAAAAAAAAAAAAAAAAAAAAAAAAAAAAAAAAAAAAAAAAAAAAAAFAAAADwAAAAAAAAAAAAAAAAAAAkUAAAAAQAAABQAAAAUAAAAFAAAAAEAAAAAAAAAZAAAAGQAAAAAAAAAZAAAAGQAAAAVAAAAYAAAAAAAAAAAAAAADwAAACADAAAAAAAAAAAAAAEAAACgMgAAVgcAAKr4//8BAAAAf39/AAEAAABkAAAAAAAAABQAAABAHwAAAAAAACYAAAAAAAAAwOD//wAAAAAmAAAAZAAAABYAAABMAAAAAAAAAAAAAAAEAAAAAAAAAAEAAADu7OEKAAAAACgAAAAoAAAAZAAAAGQAAAAAAAAAzMzMAAAAAABQAAAAUAAAAGQAAABkAAAAAAAAABcAAAAUAAAAAAAAAAAAAAD/fwAA/38AAAAAAAAJAAAABAAAAAAAAAAMAAAAEAAAAAAAAAAAAAAAAAAAAAAAAAAeAAAAaAAAAAAAAAAAAAAAAAAAAAAAAAAAAAAAECcAABAnAAAAAAAAAAAAAAAAAAAAAAAAAAAAAAAAAAAAAAAAAAAAABQAAAAAAAAAwMD/AAAAAABkAAAAMgAAAAAAAABkAAAAAAAAAH9/fwAKAAAAHwAAAFQAAABPgb0F////AQAAAAAAAAAAAAAAAAAAAAAAAAAAAAAAAAAAAAAAAAAAAAAAAn9/fwDu7OEDzMzMAMDA/wB/f38AAAAAAAAAAAAAAAAAAAAAAAAAAAAhAAAAGAAAABQAAABABgAAwBIAAGAiAAAGFQAAECAAACYAAAAIAAAAPYAAAAAAAAA="/>
+                <pr:smNativeData xmlns:pr="smNativeData" val="SMDATA_13_eIVQYBMAAAAlAAAAZAAAAA0AAAAAAAAAAAAAAAAAAAAAAAAAAAAAAAAAAAAAAAAAAAEAAABQAAAAAAAAAAAA4D8AAAAAAADgPwAAAAAAAOA/AAAAAAAA4D8AAAAAAADgPwAAAAAAAOA/AAAAAAAA4D8AAAAAAADgPwAAAAAAAOA/AAAAAAAA4D8CAAAAjAAAAAAAAAAAAAAA////AP///wgAAAAAAAAAAAAAAAAAAAAAAAAAAAAAAAAAAAAAeAAAAAEAAABAAAAAAAAAAAAAAABaAAAAAAAAAAAAAAAAAAAAAAAAAAAAAAAAAAAAAAAAAAAAAAAAAAAAAAAAAAAAAAAAAAAAAAAAAAAAAAAAAAAAAAAAAAAAAAAAAAAAFAAAADwAAAAAAAAAAAAAAAAAAAAPAAAAAQAAACMAAAAjAAAAIwAAAB4AAAAAAAAAZAAAAGQAAAAAAAAAZAAAAGQAAAAVAAAAYAAAAAAAAAAAAAAADwAAACADAAAAAAAAAAAAAAEAAACgMgAAVgcAAKr4//8BAAAAf39/AAEAAABkAAAAAAAAABQAAABAHwAAAAAAACYAAAAAAAAAwOD//wAAAAAmAAAAZAAAABYAAABMAAAAAAAAAAAAAAAEAAAAAAAAAAEAAADu7OEKAAAAACgAAAAoAAAAZAAAAGQAAAAAAAAAzMzMAAAAAABQAAAAUAAAAGQAAABkAAAAAAAAABcAAAAUAAAAAAAAAAAAAAD/fwAA/38AAAAAAAAJAAAABAAAAAAAAAAMAAAAEAAAAAAAAAAAAAAAAAAAAAAAAAAeAAAAaAAAAAAAAAAAAAAAAAAAAAAAAAAAAAAAECcAABAnAAAAAAAAAAAAAAAAAAAAAAAAAAAAAAAAAAAAAAAAAAAAABQAAAAAAAAAwMD/AAAAAABkAAAAMgAAAAAAAABkAAAAAAAAAH9/fwAKAAAAHwAAAFQAAAD///8AAAAAAQAAAAAAAAAAAAAAAAAAAAAAAAAAAAAAAAAAAAAAAAAAAAAAAH9/fwAAAAADzMzMAMDA/wB/f38AAAAAAAAAAAAAAAAAAAAAAAAAAAAhAAAAGAAAABQAAABABgAAwBIAAGAiAAAGFQAAEAAAACYAAAAIAAAAPZAAAAAAAAA="/>
               </a:ext>
             </a:extLst>
           </p:cNvSpPr>
@@ -3269,7 +3232,6 @@
             <a:pPr>
               <a:defRPr lang="de-de"/>
             </a:pPr>
-            <a:endParaRPr/>
           </a:p>
         </p:txBody>
       </p:sp>
@@ -3280,7 +3242,7 @@
             <a:spLocks noGrp="1" noChangeArrowheads="1"/>
             <a:extLst>
               <a:ext uri="smNativeData">
-                <pr:smNativeData xmlns:pr="smNativeData" xmlns:p14="http://schemas.microsoft.com/office/powerpoint/2010/main" xmlns="" val="SMDATA_13_ec9PYBMAAAAlAAAAZAAAAE0AAAAAAAAAAAAAAAAAAAAAAAAAAAAAAAAAAAAAAAAAAAEAAABQAAAAAAAAAAAA4D8AAAAAAADgPwAAAAAAAOA/AAAAAAAA4D8AAAAAAADgPwAAAAAAAOA/AAAAAAAA4D8AAAAAAADgPwAAAAAAAOA/AAAAAAAA4D8CAAAAjAAAAAAAAAAAAAAAT4G9DP///wgAAAAAAAAAAAAAAAAAAAAAAAAAAAAAAAAAAAAAZAAAAAEAAABAAAAAAAAAAAAAAAAAAAAAAAAAAAAAAAAAAAAAAAAAAAAAAAAAAAAAAAAAAAAAAAAAAAAAAAAAAAAAAAAAAAAAAAAAAAAAAAAAAAAAAAAAAAAAAAAAAAAAFAAAADwAAAAAAAAAAAAAAAAAAAkUAAAAAQAAABQAAAAUAAAAFAAAAAEAAAAAAAAAZAAAAGQAAAAAAAAAZAAAAGQAAAAVAAAAYAAAAAAAAAAAAAAADwAAACADAAAAAAAAAAAAAAEAAACgMgAAVgcAAKr4//8BAAAAf39/AAEAAABkAAAAAAAAABQAAABAHwAAAAAAACYAAAAAAAAAwOD//wAAAAAmAAAAZAAAABYAAABMAAAAAAAAAAAAAAAEAAAAAAAAAAEAAADu7OEKAAAAACgAAAAoAAAAZAAAAGQAAAAAAAAAzMzMAAAAAABQAAAAUAAAAGQAAABkAAAAAAAAABcAAAAUAAAAAAAAAAAAAAD/fwAA/38AAAAAAAAJAAAABAAAAAAAAAAMAAAAEAAAAAAAAAAAAAAAAAAAAAAAAAAeAAAAaAAAAAAAAAAAAAAAAAAAAAAAAAAAAAAAECcAABAnAAAAAAAAAAAAAAAAAAAAAAAAAAAAAAAAAAAAAAAAAAAAABQAAAAAAAAAwMD/AAAAAABkAAAAMgAAAAAAAABkAAAAAAAAAH9/fwAKAAAAHwAAAFQAAABPgb0F////AQAAAAAAAAAAAAAAAAAAAAAAAAAAAAAAAAAAAAAAAAAAAAAAAn9/fwDu7OEDzMzMAMDA/wB/f38AAAAAAAAAAAAAAAAAAAAAAAAAAAAhAAAAGAAAABQAAADIBQAAdAkAAHpIAACsDAAAECAAACYAAAAIAAAAPYAAAAAAAAA="/>
+                <pr:smNativeData xmlns:pr="smNativeData" val="SMDATA_13_eIVQYBMAAAAlAAAAZAAAAA0AAAAAAAAAAAAAAAAAAAAAAAAAAAAAAAAAAAAAAAAAAAEAAABQAAAAAAAAAAAA4D8AAAAAAADgPwAAAAAAAOA/AAAAAAAA4D8AAAAAAADgPwAAAAAAAOA/AAAAAAAA4D8AAAAAAADgPwAAAAAAAOA/AAAAAAAA4D8CAAAAjAAAAAAAAAAAAAAA////AP///wgAAAAAAAAAAAAAAAAAAAAAAAAAAAAAAAAAAAAAeAAAAAEAAABAAAAAAAAAAAAAAABaAAAAAAAAAAAAAAAAAAAAAAAAAAAAAAAAAAAAAAAAAAAAAAAAAAAAAAAAAAAAAAAAAAAAAAAAAAAAAAAAAAAAAAAAAAAAAAAAAAAAFAAAADwAAAAAAAAAAAAAAAAAAAAPAAAAAQAAACMAAAAjAAAAIwAAAB4AAAAAAAAAZAAAAGQAAAAAAAAAZAAAAGQAAAAVAAAAYAAAAAAAAAAAAAAADwAAACADAAAAAAAAAAAAAAEAAACgMgAAVgcAAKr4//8BAAAAf39/AAEAAABkAAAAAAAAABQAAABAHwAAAAAAACYAAAAAAAAAwOD//wAAAAAmAAAAZAAAABYAAABMAAAAAAAAAAAAAAAEAAAAAAAAAAEAAADu7OEKAAAAACgAAAAoAAAAZAAAAGQAAAAAAAAAzMzMAAAAAABQAAAAUAAAAGQAAABkAAAAAAAAABcAAAAUAAAAAAAAAAAAAAD/fwAA/38AAAAAAAAJAAAABAAAAAAAAAAMAAAAEAAAAAAAAAAAAAAAAAAAAAAAAAAeAAAAaAAAAAAAAAAAAAAAAAAAAAAAAAAAAAAAECcAABAnAAAAAAAAAAAAAAAAAAAAAAAAAAAAAAAAAAAAAAAAAAAAABQAAAAAAAAAwMD/AAAAAABkAAAAMgAAAAAAAABkAAAAAAAAAH9/fwAKAAAAHwAAAFQAAAD///8AAAAAAQAAAAAAAAAAAAAAAAAAAAAAAAAAAAAAAAAAAAAAAAAAAAAAAH9/fwAAAAADzMzMAMDA/wB/f38AAAAAAAAAAAAAAAAAAAAAAAAAAAAhAAAAGAAAABQAAADIBQAAdAkAAHpIAACsDAAAEAAAACYAAAAIAAAAPZAAAAAAAAA="/>
               </a:ext>
             </a:extLst>
           </p:cNvSpPr>
@@ -3340,7 +3302,6 @@
             <a:pPr>
               <a:defRPr lang="de-de" cap="small"/>
             </a:pPr>
-            <a:endParaRPr/>
           </a:p>
         </p:txBody>
       </p:sp>
@@ -3353,7 +3314,7 @@
 </file>
 
 <file path=ppt/slideLayouts/slideLayout7.xml><?xml version="1.0" encoding="utf-8"?>
-<p:sldLayout xmlns:a="http://schemas.openxmlformats.org/drawingml/2006/main" xmlns:r="http://schemas.openxmlformats.org/officeDocument/2006/relationships" xmlns:p="http://schemas.openxmlformats.org/presentationml/2006/main" showMasterSp="0" type="blank" preserve="1">
+<p:sldLayout xmlns:p="http://schemas.openxmlformats.org/presentationml/2006/main" xmlns:p14="http://schemas.microsoft.com/office/powerpoint/2010/main" xmlns:r="http://schemas.openxmlformats.org/officeDocument/2006/relationships" xmlns:a="http://schemas.openxmlformats.org/drawingml/2006/main" showMasterSp="0" type="blank" preserve="1">
   <p:cSld name="Weiße Folie">
     <p:spTree>
       <p:nvGrpSpPr>
@@ -3378,7 +3339,7 @@
 </file>
 
 <file path=ppt/slideMasters/slideMaster1.xml><?xml version="1.0" encoding="utf-8"?>
-<p:sldMaster xmlns:a="http://schemas.openxmlformats.org/drawingml/2006/main" xmlns:r="http://schemas.openxmlformats.org/officeDocument/2006/relationships" xmlns:p="http://schemas.openxmlformats.org/presentationml/2006/main">
+<p:sldMaster xmlns:p="http://schemas.openxmlformats.org/presentationml/2006/main" xmlns:p14="http://schemas.microsoft.com/office/powerpoint/2010/main" xmlns:r="http://schemas.openxmlformats.org/officeDocument/2006/relationships" xmlns:a="http://schemas.openxmlformats.org/drawingml/2006/main">
   <p:cSld>
     <p:bg>
       <p:bgPr>
@@ -3409,14 +3370,14 @@
             <a:picLocks noChangeAspect="1"/>
             <a:extLst>
               <a:ext uri="smNativeData">
-                <pr:smNativeData xmlns:pr="smNativeData" xmlns:p14="http://schemas.microsoft.com/office/powerpoint/2010/main" xmlns="" val="SMDATA_15_ec9PYBMAAAAlAAAAEQAAAC0AAAAAkAAAAEgAAACQAAAASAAAAAAAAAAAAAAAAAAAAAEAAABQAAAAAAAAAAAA4D8AAAAAAADgPwAAAAAAAOA/AAAAAAAA4D8AAAAAAADgPwAAAAAAAOA/AAAAAAAA4D8AAAAAAADgPwAAAAAAAOA/AAAAAAAA4D8CAAAAjAAAAAAAAAAAAAAAT4G9DP///wgAAAAAAAAAAAAAAAAAAAAAAAAAAAAAAAAAAAAAZAAAAAEAAABAAAAAAAAAAAAAAAAAAAAAAAAAAAAAAAAAAAAAAAAAAAAAAAAAAAAAAAAAAAAAAAAAAAAAAAAAAAAAAAAAAAAAAAAAAAAAAAAAAAAAAAAAAAAAAAAAAAAAFAAAADwAAAAAAAAAAAAAAAAAAAkUAAAAAQAAABQAAAAUAAAAFAAAAAEAAAAAAAAAZAAAAGQAAAAAAAAAZAAAAGQAAAAVAAAAYAAAAAAAAAAAAAAADwAAACADAAAAAAAAAAAAAAEAAACgMgAAVgcAAKr4//8BAAAAf39/AAEAAABkAAAAAAAAABQAAABAHwAAAAAAACYAAAAAAAAAwOD//wAAAAAmAAAAZAAAABYAAABMAAAAAAAAAAAAAAAEAAAAAAAAAAEAAADu7OEKAAAAACgAAAAoAAAAZAAAAGQAAAAAAAAAzMzMAAAAAABQAAAAUAAAAGQAAABkAAAAAAAAAAcAAAA4AAAAAAAAAAAAAAAAAAAA////AAAAAAAAAAAAAAAAAAAAAAAAAAAAAAAAAAAAAABkAAAAZAAAAAAAAAAjAAAABAAAAGQAAAAXAAAAFAAAAAAAAAAAAAAA/38AAP9/AAAAAAAACQAAAAQAAAAAAAAADAAAABAAAAAAAAAAAAAAAAAAAAAAAAAAHgAAAGgAAAAAAAAAAAAAAAAAAAAAAAAAAAAAABAnAAAQJwAAAAAAAAAAAAAAAAAAAAAAAAAAAAAAAAAAAAAAAAAAAAAUAAAAAAAAAMDA/wAAAAAAZAAAADIAAAAAAAAAZAAAAAAAAAB/f38ACgAAAB8AAABUAAAAT4G9Bf///wEAAAAAAAAAAAAAAAAAAAAAAAAAAAAAAAAAAAAAAAAAAAAAAAJ/f38A7uzhA8zMzADAwP8Af39/AAAAAAAAAAAAAAAAAP///wAAAAAAIQAAABgAAAAUAAAAAAAAAAAAAAAAUAAAADwAABAAAAAmAAAACAAAAP//////////"/>
+                <pr:smNativeData xmlns:pr="smNativeData" val="SMDATA_15_eIVQYBMAAAAlAAAAEQAAAC0AAAAAkAAAAEgAAACQAAAASAAAAAAAAAAAAAAAAAAAAAEAAABQAAAAAAAAAAAA4D8AAAAAAADgPwAAAAAAAOA/AAAAAAAA4D8AAAAAAADgPwAAAAAAAOA/AAAAAAAA4D8AAAAAAADgPwAAAAAAAOA/AAAAAAAA4D8CAAAAjAAAAAAAAAAAAAAAT4G9DP///wgAAAAAAAAAAAAAAAAAAAAAAAAAAAAAAAAAAAAAZAAAAAEAAABAAAAAAAAAAAAAAAAAAAAAAAAAAAAAAAAAAAAAAAAAAAAAAAAAAAAAAAAAAAAAAAAAAAAAAAAAAAAAAAAAAAAAAAAAAAAAAAAAAAAAAAAAAAAAAAAAAAAAFAAAADwAAAAAAAAAAAAAAAAAAAkUAAAAAQAAABQAAAAUAAAAFAAAAAEAAAAAAAAAZAAAAGQAAAAAAAAAZAAAAGQAAAAVAAAAYAAAAAAAAAAAAAAADwAAACADAAAAAAAAAAAAAAEAAACgMgAAVgcAAKr4//8BAAAAf39/AAEAAABkAAAAAAAAABQAAABAHwAAAAAAACYAAAAAAAAAwOD//wAAAAAmAAAAZAAAABYAAABMAAAAAAAAAAAAAAAEAAAAAAAAAAEAAADu7OEKAAAAACgAAAAoAAAAZAAAAGQAAAAAAAAAzMzMAAAAAABQAAAAUAAAAGQAAABkAAAAAAAAAAcAAAA4AAAAAAAAAAAAAAAAAAAA////AAAAAAAAAAAAAAAAAAAAAAAAAAAAAAAAAAAAAABkAAAAZAAAAAAAAAAjAAAABAAAAGQAAAAXAAAAFAAAAAAAAAAAAAAA/38AAP9/AAAAAAAACQAAAAQAAAAAAAAADAAAABAAAAAAAAAAAAAAAAAAAAAAAAAAHgAAAGgAAAAAAAAAAAAAAAAAAAAAAAAAAAAAABAnAAAQJwAAAAAAAAAAAAAAAAAAAAAAAAAAAAAAAAAAAAAAAAAAAAAUAAAAAAAAAMDA/wAAAAAAZAAAADIAAAAAAAAAZAAAAAAAAAB/f38ACgAAAB8AAABUAAAAT4G9Bf///wEAAAAAAAAAAAAAAAAAAAAAAAAAAAAAAAAAAAAAAAAAAAAAAAJ/f38A7uzhA8zMzADAwP8Af39/AAAAAAAAAAAAAAAAAP///wAAAAAAIQAAABgAAAAUAAAAAAAAAAAAAAAAUAAAADwAABAAAAAmAAAACAAAAP//////////"/>
               </a:ext>
             </a:extLst>
           </p:cNvPicPr>
           <p:nvPr/>
         </p:nvPicPr>
         <p:blipFill>
-          <a:blip r:embed="rId9"/>
+          <a:blip r:embed="rId1"/>
           <a:stretch>
             <a:fillRect/>
           </a:stretch>
@@ -3443,7 +3404,7 @@
             <a:spLocks noGrp="1" noChangeArrowheads="1"/>
             <a:extLst>
               <a:ext uri="smNativeData">
-                <pr:smNativeData xmlns:pr="smNativeData" xmlns:p14="http://schemas.microsoft.com/office/powerpoint/2010/main" xmlns="" val="SMDATA_13_ec9PYBMAAAAlAAAAZAAAAE0AAAAAAAAAAAAAAAAAAAAAAAAAAAAAAAAAAAAAAAAAAAEAAABQAAAAAAAAAAAA4D8AAAAAAADgPwAAAAAAAOA/AAAAAAAA4D8AAAAAAADgPwAAAAAAAOA/AAAAAAAA4D8AAAAAAADgPwAAAAAAAOA/AAAAAAAA4D8CAAAAjAAAAAAAAAAAAAAA////AP///wgAAAAAAAAAAAAAAAAAAAAAAAAAAAAAAAAAAAAAeAAAAAEAAABAAAAAAAAAAAAAAABaAAAAAAAAAAAAAAAAAAAAAAAAAAAAAAAAAAAAAAAAAAAAAAAAAAAAAAAAAAAAAAAAAAAAAAAAAAAAAAAAAAAAAAAAAAAAAAAAAAAAFAAAADwAAAAAAAAAAAAAAAAAAAAPAAAAAQAAACMAAAAjAAAAIwAAAB4AAAAAAAAAZAAAAGQAAAAAAAAAZAAAAGQAAAAVAAAAYAAAAAAAAAAAAAAADwAAACADAAAAAAAAAAAAAAEAAACgMgAAVgcAAKr4//8BAAAAf39/AAEAAABkAAAAAAAAABQAAABAHwAAAAAAACYAAAAAAAAAwOD//wAAAAAmAAAAZAAAABYAAABMAAAAAAAAAAAAAAAEAAAAAAAAAAEAAADu7OEKAAAAACgAAAAoAAAAZAAAAGQAAAAAAAAAzMzMAAAAAABQAAAAUAAAAGQAAABkAAAAAAAAABcAAAAUAAAAAAAAAAAAAAD/fwAA/38AAAAAAAAJAAAABAAAAEvEZf8MAAAAEAAAAAAAAAAAAAAAAAAAAAAAAAAeAAAAaAAAAAAAAAAAAAAAAAAAAAAAAAAAAAAAECcAABAnAAAAAAAAAAAAAAAAAAAAAAAAAAAAAAAAAAAAAAAAAAAAABQAAAAAAAAAwMD/AAAAAABkAAAAMgAAAAAAAABkAAAAAAAAAH9/fwAKAAAAHwAAAFQAAAD///8A////AQAAAAAAAAAAAAAAAAAAAAAAAAAAAAAAAAAAAAAAAAAAAAAAAH9/fwDu7OEDzMzMAMDA/wB/f38AAAAAAAAAAAAAAAAAAAAAAAAAAAAhAAAAGAAAABQAAACnBgAAiQsAAFlJAABlDgAAECAAACYAAAAIAAAAPb8AAAAAAAA="/>
+                <pr:smNativeData xmlns:pr="smNativeData" val="SMDATA_13_eIVQYBMAAAAlAAAAZAAAAA0AAAAAAAAAAAAAAAAAAAAAAAAAAAAAAAAAAAAAAAAAAAEAAABQAAAAAAAAAAAA4D8AAAAAAADgPwAAAAAAAOA/AAAAAAAA4D8AAAAAAADgPwAAAAAAAOA/AAAAAAAA4D8AAAAAAADgPwAAAAAAAOA/AAAAAAAA4D8CAAAAjAAAAAAAAAAAAAAA////AP///wgAAAAAAAAAAAAAAAAAAAAAAAAAAAAAAAAAAAAAeAAAAAEAAABAAAAAAAAAAAAAAABaAAAAAAAAAAAAAAAAAAAAAAAAAAAAAAAAAAAAAAAAAAAAAAAAAAAAAAAAAAAAAAAAAAAAAAAAAAAAAAAAAAAAAAAAAAAAAAAAAAAAFAAAADwAAAAAAAAAAAAAAAAAAAAPAAAAAQAAACMAAAAjAAAAIwAAAB4AAAAAAAAAZAAAAGQAAAAAAAAAZAAAAGQAAAAVAAAAYAAAAAAAAAAAAAAADwAAACADAAAAAAAAAAAAAAEAAACgMgAAVgcAAKr4//8BAAAAf39/AAEAAABkAAAAAAAAABQAAABAHwAAAAAAACYAAAAAAAAAwOD//wAAAAAmAAAAZAAAABYAAABMAAAAAAAAAAAAAAAEAAAAAAAAAAEAAADu7OEKAAAAACgAAAAoAAAAZAAAAGQAAAAAAAAAzMzMAAAAAABQAAAAUAAAAGQAAABkAAAAAAAAABcAAAAUAAAAAAAAAAAAAAD/fwAA/38AAAAAAAAJAAAABAAAAGFubmUMAAAAEAAAAAAAAAAAAAAAAAAAAAAAAAAeAAAAaAAAAAAAAAAAAAAAAAAAAAAAAAAAAAAAECcAABAnAAAAAAAAAAAAAAAAAAAAAAAAAAAAAAAAAAAAAAAAAAAAABQAAAAAAAAAwMD/AAAAAABkAAAAMgAAAAAAAABkAAAAAAAAAH9/fwAKAAAAHwAAAFQAAAD///8AAAAAAQAAAAAAAAAAAAAAAAAAAAAAAAAAAAAAAAAAAAAAAAAAAAAAAH9/fwAAAAADzMzMAMDA/wB/f38AAAAAAAAAAAAAAAAAAAAAAAAAAAAhAAAAGAAAABQAAACnBgAAiQsAAFlJAABlDgAAEAAAACYAAAAIAAAAv58AAP//wQE="/>
               </a:ext>
             </a:extLst>
           </p:cNvSpPr>
@@ -3459,6 +3420,11 @@
           <a:prstGeom prst="rect">
             <a:avLst/>
           </a:prstGeom>
+          <a:noFill/>
+          <a:ln>
+            <a:noFill/>
+          </a:ln>
+          <a:effectLst/>
         </p:spPr>
         <p:txBody>
           <a:bodyPr vert="horz" wrap="square" lIns="0" tIns="0" rIns="0" bIns="0" numCol="1" spcCol="215900" anchor="t">
@@ -3472,7 +3438,7 @@
                 <a:solidFill>
                   <a:schemeClr val="bg1"/>
                 </a:solidFill>
-                <a:latin typeface="DINPro" charset="0"/>
+                <a:latin typeface="DINPro" pitchFamily="0" charset="0"/>
                 <a:ea typeface="Calibri" pitchFamily="2" charset="0"/>
                 <a:cs typeface="Calibri" pitchFamily="2" charset="0"/>
               </a:defRPr>
@@ -3506,7 +3472,6 @@
             <a:pPr>
               <a:defRPr lang="de-de"/>
             </a:pPr>
-            <a:endParaRPr/>
           </a:p>
         </p:txBody>
       </p:sp>
@@ -3517,7 +3482,7 @@
             <a:spLocks noGrp="1" noChangeArrowheads="1"/>
             <a:extLst>
               <a:ext uri="smNativeData">
-                <pr:smNativeData xmlns:pr="smNativeData" xmlns:p14="http://schemas.microsoft.com/office/powerpoint/2010/main" xmlns="" val="SMDATA_13_ec9PYBMAAAAlAAAAZAAAAE0AAAAAAAAAAAAAAAAAAAAAAAAAAAAAAAAAAAAAAAAAAAEAAABQAAAAAAAAAAAA4D8AAAAAAADgPwAAAAAAAOA/AAAAAAAA4D8AAAAAAADgPwAAAAAAAOA/AAAAAAAA4D8AAAAAAADgPwAAAAAAAOA/AAAAAAAA4D8CAAAAjAAAAAAAAAAAAAAA////AP///wgAAAAAAAAAAAAAAAAAAAAAAAAAAAAAAAAAAAAAeAAAAAEAAABAAAAAAAAAAAAAAABaAAAAAAAAAAAAAAAAAAAAAAAAAAAAAAAAAAAAAAAAAAAAAAAAAAAAAAAAAAAAAAAAAAAAAAAAAAAAAAAAAAAAAAAAAAAAAAAAAAAAFAAAADwAAAAAAAAAAAAAAAAAAAAPAAAAAQAAACMAAAAjAAAAIwAAAB4AAAAAAAAAZAAAAGQAAAAAAAAAZAAAAGQAAAAVAAAAYAAAAAAAAAAAAAAADwAAACADAAAAAAAAAAAAAAEAAACgMgAAVgcAAKr4//8BAAAAf39/AAEAAABkAAAAAAAAABQAAABAHwAAAAAAACYAAAAAAAAAwOD//wAAAAAmAAAAZAAAABYAAABMAAAAAAAAAAAAAAAEAAAAAAAAAAEAAADu7OEKAAAAACgAAAAoAAAAZAAAAGQAAAAAAAAAzMzMAAAAAABQAAAAUAAAAGQAAABkAAAAAAAAABcAAAAUAAAAAAAAAAAAAAD/fwAA/38AAAAAAAAJAAAABAAAAAAAAAAMAAAAEAAAAAAAAAAAAAAAAAAAAAAAAAAeAAAAaAAAAAAAAAAAAAAAAAAAAAAAAAAAAAAAECcAABAnAAAAAAAAAAAAAAAAAAAAAAAAAAAAAAAAAAAAAAAAAAAAABQAAAAAAAAAwMD/AAAAAABkAAAAMgAAAAAAAABkAAAAAAAAAH9/fwAKAAAAHwAAAFQAAAD///8A////AQAAAAAAAAAAAAAAAAAAAAAAAAAAAAAAAAAAAAAAAAAAAAAAAH9/fwDu7OEDzMzMAMDA/wB/f38AAAAAAAAAAAAAAAAAAAAAAAAAAAAhAAAAGAAAABQAAACnBgAARhQAANBIAAA1JQAAECAAACYAAAAIAAAAPb8AAAAAAAA="/>
+                <pr:smNativeData xmlns:pr="smNativeData" val="SMDATA_13_eIVQYBMAAAAlAAAAZAAAAA0AAAAAAAAAAAAAAAAAAAAAAAAAAAAAAAAAAAAAAAAAAAEAAABQAAAAAAAAAAAA4D8AAAAAAADgPwAAAAAAAOA/AAAAAAAA4D8AAAAAAADgPwAAAAAAAOA/AAAAAAAA4D8AAAAAAADgPwAAAAAAAOA/AAAAAAAA4D8CAAAAjAAAAAAAAAAAAAAA////AP///wgAAAAAAAAAAAAAAAAAAAAAAAAAAAAAAAAAAAAAeAAAAAEAAABAAAAAAAAAAAAAAABaAAAAAAAAAAAAAAAAAAAAAAAAAAAAAAAAAAAAAAAAAAAAAAAAAAAAAAAAAAAAAAAAAAAAAAAAAAAAAAAAAAAAAAAAAAAAAAAAAAAAFAAAADwAAAAAAAAAAAAAAAAAAAAPAAAAAQAAACMAAAAjAAAAIwAAAB4AAAAAAAAAZAAAAGQAAAAAAAAAZAAAAGQAAAAVAAAAYAAAAAAAAAAAAAAADwAAACADAAAAAAAAAAAAAAEAAACgMgAAVgcAAKr4//8BAAAAf39/AAEAAABkAAAAAAAAABQAAABAHwAAAAAAACYAAAAAAAAAwOD//wAAAAAmAAAAZAAAABYAAABMAAAAAAAAAAAAAAAEAAAAAAAAAAEAAADu7OEKAAAAACgAAAAoAAAAZAAAAGQAAAAAAAAAzMzMAAAAAABQAAAAUAAAAGQAAABkAAAAAAAAABcAAAAUAAAAAAAAAAAAAAD/fwAA/38AAAAAAAAJAAAABAAAAAAAAAAMAAAAEAAAAAAAAAAAAAAAAAAAAAAAAAAeAAAAaAAAAAAAAAAAAAAAAAAAAAAAAAAAAAAAECcAABAnAAAAAAAAAAAAAAAAAAAAAAAAAAAAAAAAAAAAAAAAAAAAABQAAAAAAAAAwMD/AAAAAABkAAAAMgAAAAAAAABkAAAAAAAAAH9/fwAKAAAAHwAAAFQAAAD///8AAAAAAQAAAAAAAAAAAAAAAAAAAAAAAAAAAAAAAAAAAAAAAAAAAAAAAH9/fwAAAAADzMzMAMDA/wB/f38AAAAAAAAAAAAAAAAAAAAAAAAAAAAhAAAAGAAAABQAAACnBgAARhQAANBIAAA1JQAAEAAAACYAAAAIAAAAv58AAP//wQE="/>
               </a:ext>
             </a:extLst>
           </p:cNvSpPr>
@@ -3533,6 +3498,11 @@
           <a:prstGeom prst="rect">
             <a:avLst/>
           </a:prstGeom>
+          <a:noFill/>
+          <a:ln>
+            <a:noFill/>
+          </a:ln>
+          <a:effectLst/>
         </p:spPr>
         <p:txBody>
           <a:bodyPr vert="horz" wrap="square" lIns="0" tIns="0" rIns="0" bIns="0" numCol="1" spcCol="215900" anchor="t">
@@ -3546,7 +3516,7 @@
                 <a:solidFill>
                   <a:srgbClr val="575756"/>
                 </a:solidFill>
-                <a:latin typeface="DINPro" charset="0"/>
+                <a:latin typeface="DINPro" pitchFamily="0" charset="0"/>
                 <a:ea typeface="Calibri" pitchFamily="2" charset="0"/>
                 <a:cs typeface="Calibri" pitchFamily="2" charset="0"/>
               </a:defRPr>
@@ -3580,7 +3550,6 @@
             <a:pPr>
               <a:defRPr lang="de-de"/>
             </a:pPr>
-            <a:endParaRPr/>
           </a:p>
         </p:txBody>
       </p:sp>
@@ -3591,7 +3560,7 @@
             <a:spLocks noGrp="1" noChangeArrowheads="1"/>
             <a:extLst>
               <a:ext uri="smNativeData">
-                <pr:smNativeData xmlns:pr="smNativeData" xmlns:p14="http://schemas.microsoft.com/office/powerpoint/2010/main" xmlns="" val="SMDATA_13_ec9PYBMAAAAlAAAAZAAAAA0AAAAAAAAAAAAAAAAAAAAAAAAAAAAAAAAAAAAAAAAAAAEAAABQAAAAAAAAAAAA4D8AAAAAAADgPwAAAAAAAOA/AAAAAAAA4D8AAAAAAADgPwAAAAAAAOA/AAAAAAAA4D8AAAAAAADgPwAAAAAAAOA/AAAAAAAA4D8CAAAAjAAAAAAAAAAAAAAA////AP///wgAAAAAAAAAAAAAAAAAAAAAAAAAAAAAAAAAAAAAeAAAAAEAAABAAAAAAAAAAAAAAABaAAAAAAAAAAAAAAAAAAAAAAAAAAAAAAAAAAAAAAAAAAAAAAAAAAAAAAAAAAAAAAAAAAAAAAAAAAAAAAAAAAAAAAAAAAAAAAAAAAAAFAAAADwAAAAAAAAAAAAAAAAAAAAPAAAAAQAAACMAAAAjAAAAIwAAAB4AAAAAAAAAZAAAAGQAAAAAAAAAZAAAAGQAAAAVAAAAYAAAAAAAAAAAAAAADwAAACADAAAAAAAAAAAAAAEAAACgMgAAVgcAAKr4//8BAAAAf39/AAEAAABkAAAAAAAAABQAAABAHwAAAAAAACYAAAAAAAAAwOD//wAAAAAmAAAAZAAAABYAAABMAAAAAAAAAAAAAAAEAAAAAAAAAAEAAADu7OEKAAAAACgAAAAoAAAAZAAAAGQAAAAAAAAAzMzMAAAAAABQAAAAUAAAAGQAAABkAAAAAAAAABcAAAAUAAAAAAAAAAAAAAD/fwAA/38AAAAAAAAJAAAABAAAAAAAAAAMAAAAEAAAAAAAAAAAAAAAAAAAAAAAAAAeAAAAaAAAAAAAAAAAAAAAAAAAAAAAAAAAAAAAECcAABAnAAAAAAAAAAAAAAAAAAAAAAAAAAAAAAAAAAAAAAAAAAAAABQAAAAAAAAAwMD/AAAAAABkAAAAMgAAAAAAAABkAAAAAAAAAH9/fwAKAAAAHwAAAFQAAAD///8A////AQAAAAAAAAAAAAAAAAAAAAAAAAAAAAAAAAAAAAAAAAAAAAAAAH9/fwDu7OEDzMzMAMDA/wB/f38AAAAAAAAAAAAAAAAAAAAAAAAAAAAhAAAAGAAAABQAAADQSAAAGDkAABZOAACYOgAAEAAAACYAAAAIAAAAPY8AAAAAAAA="/>
+                <pr:smNativeData xmlns:pr="smNativeData" val="SMDATA_13_eIVQYBMAAAAlAAAAZAAAAA0AAAAAAAAAAAAAAAAAAAAAAAAAAAAAAAAAAAAAAAAAAAEAAABQAAAAAAAAAAAA4D8AAAAAAADgPwAAAAAAAOA/AAAAAAAA4D8AAAAAAADgPwAAAAAAAOA/AAAAAAAA4D8AAAAAAADgPwAAAAAAAOA/AAAAAAAA4D8CAAAAjAAAAAAAAAAAAAAA////AP///wgAAAAAAAAAAAAAAAAAAAAAAAAAAAAAAAAAAAAAeAAAAAEAAABAAAAAAAAAAAAAAABaAAAAAAAAAAAAAAAAAAAAAAAAAAAAAAAAAAAAAAAAAAAAAAAAAAAAAAAAAAAAAAAAAAAAAAAAAAAAAAAAAAAAAAAAAAAAAAAAAAAAFAAAADwAAAAAAAAAAAAAAAAAAAAPAAAAAQAAACMAAAAjAAAAIwAAAB4AAAAAAAAAZAAAAGQAAAAAAAAAZAAAAGQAAAAVAAAAYAAAAAAAAAAAAAAADwAAACADAAAAAAAAAAAAAAEAAACgMgAAVgcAAKr4//8BAAAAf39/AAEAAABkAAAAAAAAABQAAABAHwAAAAAAACYAAAAAAAAAwOD//wAAAAAmAAAAZAAAABYAAABMAAAAAAAAAAAAAAAEAAAAAAAAAAEAAADu7OEKAAAAACgAAAAoAAAAZAAAAGQAAAAAAAAAzMzMAAAAAABQAAAAUAAAAGQAAABkAAAAAAAAABcAAAAUAAAAAAAAAAAAAAD/fwAA/38AAAAAAAAJAAAABAAAAAAAAAAMAAAAEAAAAAAAAAAAAAAAAAAAAAAAAAAeAAAAaAAAAAAAAAAAAAAAAAAAAAAAAAAAAAAAECcAABAnAAAAAAAAAAAAAAAAAAAAAAAAAAAAAAAAAAAAAAAAAAAAABQAAAAAAAAAwMD/AAAAAABkAAAAMgAAAAAAAABkAAAAAAAAAH9/fwAKAAAAHwAAAFQAAAD///8AAAAAAQAAAAAAAAAAAAAAAAAAAAAAAAAAAAAAAAAAAAAAAAAAAAAAAH9/fwAAAAADzMzMAMDA/wB/f38AAAAAAAAAAAAAAAAAAAAAAAAAAAAhAAAAGAAAABQAAADQSAAAGDkAABZOAACYOgAAEAAAACYAAAAIAAAAv58AAP//wQE="/>
               </a:ext>
             </a:extLst>
           </p:cNvSpPr>
@@ -3607,6 +3576,11 @@
           <a:prstGeom prst="rect">
             <a:avLst/>
           </a:prstGeom>
+          <a:noFill/>
+          <a:ln>
+            <a:noFill/>
+          </a:ln>
+          <a:effectLst/>
         </p:spPr>
         <p:txBody>
           <a:bodyPr vert="horz" wrap="square" lIns="0" tIns="0" rIns="0" bIns="0" numCol="1" spcCol="215900" anchor="t">
@@ -3651,10 +3625,9 @@
             <a:pPr>
               <a:defRPr lang="de-de"/>
             </a:pPr>
-            <a:fld id="{0641B044-0AEB-1446-A5F9-FC13FEB753A9}" type="slidenum">
-              <a:t>‹#›</a:t>
+            <a:fld id="{304E1184-CADD-1BE7-93F6-3CB25FB86569}" type="slidenum">
+              <a:t>3</a:t>
             </a:fld>
-            <a:endParaRPr/>
           </a:p>
         </p:txBody>
       </p:sp>
@@ -3665,7 +3638,7 @@
             <a:spLocks noGrp="1" noChangeArrowheads="1"/>
             <a:extLst>
               <a:ext uri="smNativeData">
-                <pr:smNativeData xmlns:pr="smNativeData" xmlns:p14="http://schemas.microsoft.com/office/powerpoint/2010/main" xmlns="" val="SMDATA_13_ec9PYBMAAAAlAAAAZAAAAA0AAAAAAAAAAAAAAAAAAAAAAAAAAAAAAAAAAAAAAAAAAAEAAABQAAAAAAAAAAAA4D8AAAAAAADgPwAAAAAAAOA/AAAAAAAA4D8AAAAAAADgPwAAAAAAAOA/AAAAAAAA4D8AAAAAAADgPwAAAAAAAOA/AAAAAAAA4D8CAAAAjAAAAAAAAAAAAAAA////AP///wgAAAAAAAAAAAAAAAAAAAAAAAAAAAAAAAAAAAAAeAAAAAEAAABAAAAAAAAAAAAAAABaAAAAAAAAAAAAAAAAAAAAAAAAAAAAAAAAAAAAAAAAAAAAAAAAAAAAAAAAAAAAAAAAAAAAAAAAAAAAAAAAAAAAAAAAAAAAAAAAAAAAFAAAADwAAAAAAAAAAAAAAAAAAAAPAAAAAQAAACMAAAAjAAAAIwAAAB4AAAAAAAAAZAAAAGQAAAAAAAAAZAAAAGQAAAAVAAAAYAAAAAAAAAAAAAAADwAAACADAAAAAAAAAAAAAAEAAACgMgAAVgcAAKr4//8BAAAAf39/AAEAAABkAAAAAAAAABQAAABAHwAAAAAAACYAAAAAAAAAwOD//wAAAAAmAAAAZAAAABYAAABMAAAAAAAAAAAAAAAEAAAAAAAAAAEAAADu7OEKAAAAACgAAAAoAAAAZAAAAGQAAAAAAAAAzMzMAAAAAABQAAAAUAAAAGQAAABkAAAAAAAAABcAAAAUAAAAAAAAAAAAAAD/fwAA/38AAAAAAAAJAAAABAAAAAAAAAAMAAAAEAAAAAAAAAAAAAAAAAAAAAAAAAAeAAAAaAAAAAAAAAAAAAAAAAAAAAAAAAAAAAAAECcAABAnAAAAAAAAAAAAAAAAAAAAAAAAAAAAAAAAAAAAAAAAAAAAABQAAAAAAAAAwMD/AAAAAABkAAAAMgAAAAAAAABkAAAAAAAAAH9/fwAKAAAAHwAAAFQAAAD///8A////AQAAAAAAAAAAAAAAAAAAAAAAAAAAAAAAAAAAAAAAAAAAAAAAAH9/fwDu7OEDzMzMAMDA/wB/f38AAAAAAAAAAAAAAAAAAAAAAAAAAAAhAAAAGAAAABQAAADqAQAA4DgAAPAKAACYOgAAAAAAACYAAAAIAAAAPY8AAAAAAAA="/>
+                <pr:smNativeData xmlns:pr="smNativeData" val="SMDATA_13_eIVQYBMAAAAlAAAAZAAAAA0AAAAAAAAAAAAAAAAAAAAAAAAAAAAAAAAAAAAAAAAAAAEAAABQAAAAAAAAAAAA4D8AAAAAAADgPwAAAAAAAOA/AAAAAAAA4D8AAAAAAADgPwAAAAAAAOA/AAAAAAAA4D8AAAAAAADgPwAAAAAAAOA/AAAAAAAA4D8CAAAAjAAAAAAAAAAAAAAA////AP///wgAAAAAAAAAAAAAAAAAAAAAAAAAAAAAAAAAAAAAeAAAAAEAAABAAAAAAAAAAAAAAABaAAAAAAAAAAAAAAAAAAAAAAAAAAAAAAAAAAAAAAAAAAAAAAAAAAAAAAAAAAAAAAAAAAAAAAAAAAAAAAAAAAAAAAAAAAAAAAAAAAAAFAAAADwAAAAAAAAAAAAAAAAAAAAPAAAAAQAAACMAAAAjAAAAIwAAAB4AAAAAAAAAZAAAAGQAAAAAAAAAZAAAAGQAAAAVAAAAYAAAAAAAAAAAAAAADwAAACADAAAAAAAAAAAAAAEAAACgMgAAVgcAAKr4//8BAAAAf39/AAEAAABkAAAAAAAAABQAAABAHwAAAAAAACYAAAAAAAAAwOD//wAAAAAmAAAAZAAAABYAAABMAAAAAAAAAAAAAAAEAAAAAAAAAAEAAADu7OEKAAAAACgAAAAoAAAAZAAAAGQAAAAAAAAAzMzMAAAAAABQAAAAUAAAAGQAAABkAAAAAAAAABcAAAAUAAAAAAAAAAAAAAD/fwAA/38AAAAAAAAJAAAABAAAAAAAAAAMAAAAEAAAAAAAAAAAAAAAAAAAAAAAAAAeAAAAaAAAAAAAAAAAAAAAAAAAAAAAAAAAAAAAECcAABAnAAAAAAAAAAAAAAAAAAAAAAAAAAAAAAAAAAAAAAAAAAAAABQAAAAAAAAAwMD/AAAAAABkAAAAMgAAAAAAAABkAAAAAAAAAH9/fwAKAAAAHwAAAFQAAAD///8AAAAAAQAAAAAAAAAAAAAAAAAAAAAAAAAAAAAAAAAAAAAAAAAAAAAAAH9/fwAAAAADzMzMAMDA/wB/f38AAAAAAAAAAAAAAAAAAAAAAAAAAAAhAAAAGAAAABQAAADqAQAA4DgAAPAKAACYOgAAEAAAACYAAAAIAAAAv58AAP//wQE="/>
               </a:ext>
             </a:extLst>
           </p:cNvSpPr>
@@ -3681,6 +3654,11 @@
           <a:prstGeom prst="rect">
             <a:avLst/>
           </a:prstGeom>
+          <a:noFill/>
+          <a:ln>
+            <a:noFill/>
+          </a:ln>
+          <a:effectLst/>
         </p:spPr>
         <p:txBody>
           <a:bodyPr vert="horz" wrap="square" lIns="0" tIns="0" rIns="0" bIns="0" numCol="1" spcCol="215900" anchor="t">
@@ -3690,7 +3668,7 @@
           </a:bodyPr>
           <a:lstStyle>
             <a:lvl1pPr algn="l">
-              <a:defRPr lang="de-de" sz="1500">
+              <a:defRPr lang="en-us" sz="1500">
                 <a:solidFill>
                   <a:srgbClr val="8C8C8C"/>
                 </a:solidFill>
@@ -3723,10 +3701,9 @@
           </a:lstStyle>
           <a:p>
             <a:pPr>
-              <a:defRPr lang="de-de"/>
-            </a:pPr>
-            <a:r>
-              <a:rPr lang="en-us"/>
+              <a:defRPr lang="en-us"/>
+            </a:pPr>
+            <a:r>
               <a:t>25.03.2021</a:t>
             </a:r>
           </a:p>
@@ -3738,7 +3715,7 @@
           <p:cNvSpPr>
             <a:extLst>
               <a:ext uri="smNativeData">
-                <pr:smNativeData xmlns:pr="smNativeData" xmlns:p14="http://schemas.microsoft.com/office/powerpoint/2010/main" xmlns="" val="SMDATA_13_ec9PYBMAAAAlAAAAZAAAAA0AAAAAkAAAAEgAAACQAAAASAAAAAAAAAAAAAAAAAAAAAEAAABQAAAAAAAAAAAA4D8AAAAAAADgPwAAAAAAAOA/AAAAAAAA4D8AAAAAAADgPwAAAAAAAOA/AAAAAAAA4D8AAAAAAADgPwAAAAAAAOA/AAAAAAAA4D8CAAAAjAAAAAAAAAAAAAAA////AP///wgAAAAAAAAAAAAAAAAAAAAAAAAAAAAAAAAAAAAAeAAAAAEAAABAAAAAAAAAAAAAAABaAAAAAAAAAAAAAAAAAAAAAAAAAAAAAAAAAAAAAAAAAAAAAAAAAAAAAAAAAAAAAAAAAAAAAAAAAAAAAAAAAAAAAAAAAAAAAAAAAAAAFAAAADwAAAAAAAAAAAAAAAAAAAAPAAAAAQAAACMAAAAjAAAAIwAAAB4AAAAAAAAAZAAAAGQAAAAAAAAAZAAAAGQAAAAVAAAAYAAAAAAAAAAAAAAADwAAACADAAAAAAAAAAAAAAEAAACgMgAAVgcAAKr4//8BAAAAf39/AAEAAABkAAAAAAAAABQAAABAHwAAAAAAACYAAAAAAAAAwOD//wAAAAAmAAAAZAAAABYAAABMAAAAAAAAAAAAAAAEAAAAAAAAAAEAAADu7OEKAAAAACgAAAAoAAAAZAAAAGQAAAAAAAAAzMzMAAAAAABQAAAAUAAAAGQAAABkAAAAAAAAABcAAAAUAAAAAAAAAAAAAAD/fwAA/38AAAAAAAAJAAAABAAAAAAAAAAMAAAAEAAAAAAAAAAAAAAAAAAAAAAAAAAeAAAAaAAAAAAAAAAAAAAAAAAAAAAAAAAAAAAAECcAABAnAAAAAAAAAAAAAAAAAAAAAAAAAAAAAAAAAAAAAAAAAAAAABQAAAAAAAAAwMD/AAAAAABkAAAAMgAAAAAAAABkAAAAAAAAAH9/fwAKAAAAHwAAAFQAAAD///8A////AQAAAAAAAAAAAAAAAAAAAAAAAAAAAAAAAAAAAAAAAAAAAAAAAH9/fwDu7OEDzMzMAMDA/wB/f38AAAAAAAAAAAAAAAAAAAAAAAAAAAAhAAAAGAAAABQAAAAwNAAAPgMAAAhNAADyBAAAEAAAACYAAAAIAAAA//////////8="/>
+                <pr:smNativeData xmlns:pr="smNativeData" val="SMDATA_13_eIVQYBMAAAAlAAAAZAAAAA0AAAAAkAAAAEgAAACQAAAASAAAAAAAAAAAAAAAAAAAAAEAAABQAAAAAAAAAAAA4D8AAAAAAADgPwAAAAAAAOA/AAAAAAAA4D8AAAAAAADgPwAAAAAAAOA/AAAAAAAA4D8AAAAAAADgPwAAAAAAAOA/AAAAAAAA4D8CAAAAjAAAAAAAAAAAAAAAT4G9DP///wgAAAAAAAAAAAAAAAAAAAAAAAAAAAAAAAAAAAAAZAAAAAEAAABAAAAAAAAAAAAAAAAAAAAAAAAAAAAAAAAAAAAAAAAAAAAAAAAAAAAAAAAAAAAAAAAAAAAAAAAAAAAAAAAAAAAAAAAAAAAAAAAAAAAAAAAAAAAAAAAAAAAAFAAAADwAAAAAAAAAAAAAAAAAAAkUAAAAAQAAABQAAAAUAAAAFAAAAAEAAAAAAAAAZAAAAGQAAAAAAAAAZAAAAGQAAAAVAAAAYAAAAAAAAAAAAAAADwAAACADAAAAAAAAAAAAAAEAAACgMgAAVgcAAKr4//8BAAAAf39/AAEAAABkAAAAAAAAABQAAABAHwAAAAAAACYAAAAAAAAAwOD//wAAAAAmAAAAZAAAABYAAABMAAAAAAAAAAAAAAAEAAAAAAAAAAEAAADu7OEKAAAAACgAAAAoAAAAZAAAAGQAAAAAAAAAzMzMAAAAAABQAAAAUAAAAGQAAABkAAAAAAAAABcAAAAUAAAAAAAAAAAAAAD/fwAA/38AAAAAAAAJAAAABAAAAAAAAAAMAAAAEAAAAAAAAAAAAAAAAAAAAAAAAAAeAAAAaAAAAAAAAAAAAAAAAAAAAAAAAAAAAAAAECcAABAnAAAAAAAAAAAAAAAAAAAAAAAAAAAAAAAAAAAAAAAAAAAAABQAAAAAAAAAwMD/AAAAAABkAAAAMgAAAAAAAABkAAAAAAAAAH9/fwAKAAAAHwAAAFQAAABPgb0F////AQAAAAAAAAAAAAAAAAAAAAAAAAAAAAAAAAAAAAAAAAAAAAAAAn9/fwDu7OEDzMzMAMDA/wB/f38AAAAAAAAAAAAAAAAAAAAAAAAAAAAhAAAAGAAAABQAAAAwNAAAPgMAAAhNAADyBAAAEAAAACYAAAAIAAAA//////////8="/>
               </a:ext>
             </a:extLst>
           </p:cNvSpPr>
@@ -3845,7 +3822,7 @@
           <p:cNvSpPr>
             <a:extLst>
               <a:ext uri="smNativeData">
-                <pr:smNativeData xmlns:pr="smNativeData" xmlns:p14="http://schemas.microsoft.com/office/powerpoint/2010/main" xmlns="" val="SMDATA_13_ec9PYBMAAAAlAAAAZAAAAA0AAAAAAAAAAAAAAAAAAAAAAAAAAAAAAAAAAAAAAAAAAAEAAABQAAAAAAAAAAAA4D8AAAAAAADgPwAAAAAAAOA/AAAAAAAA4D8AAAAAAADgPwAAAAAAAOA/AAAAAAAA4D8AAAAAAADgPwAAAAAAAOA/AAAAAAAA4D8CAAAAjAAAAAAAAAAAAAAAT4G9DP///wgAAAAAAAAAAAAAAAAAAAAAAAAAAAAAAAAAAAAAZAAAAAEAAABAAAAAAAAAAAAAAAAAAAAAAAAAAAAAAAAAAAAAAAAAAAAAAAAAAAAAAAAAAAAAAAAAAAAAAAAAAAAAAAAAAAAAAAAAAAAAAAAAAAAAAAAAAAAAAAAAAAAAFAAAADwAAAAAAAAAAAAAAAAAAAkUAAAAAQAAABQAAAAUAAAAFAAAAAEAAAAAAAAAZAAAAGQAAAAAAAAAZAAAAGQAAAAVAAAAYAAAAAAAAAAAAAAADwAAACADAAAAAAAAAAAAAAEAAACgMgAAVgcAAKr4//8BAAAAf39/AAEAAABkAAAAAAAAABQAAABAHwAAAAAAACYAAAAAAAAAwOD//wAAAAAmAAAAZAAAABYAAABMAAAAAAAAAAAAAAAEAAAAAAAAAAEAAADu7OEKAAAAACgAAAAoAAAAZAAAAGQAAAAAAAAAzMzMAAAAAABQAAAAUAAAAGQAAABkAAAAAAAAABcAAAAUAAAAAAAAAAAAAAD/fwAA/38AAAAAAAAJAAAABAAAAHlsZT4MAAAAEAAAAAAAAAAAAAAAAAAAAAAAAAAeAAAAaAAAAAAAAAAAAAAAAAAAAAAAAAAAAAAAECcAABAnAAAAAAAAAAAAAAAAAAAAAAAAAAAAAAAAAAAAAAAAAAAAABQAAAAAAAAAwMD/AAAAAABkAAAAMgAAAAAAAABkAAAAAAAAAH9/fwAKAAAAHwAAAFQAAABPgb0F////AQAAAAAAAAAAAAAAAAAAAAAAAAAAAAAAAAAAAAAAAAAAAAAAAn9/fwDu7OEDzMzMAMDA/wB/f38AAAAAAAAAAAAAAAAAAAAAAAAAAAAhAAAAGAAAABQAAAA+DQAA5TgAACBEAACYOgAAAAAAACYAAAAIAAAA//////////8="/>
+                <pr:smNativeData xmlns:pr="smNativeData" val="SMDATA_13_eIVQYBMAAAAlAAAAZAAAAA0AAAAAAAAAAAAAAAAAAAAAAAAAAAAAAAAAAAAAAAAAAAEAAABQAAAAAAAAAAAA4D8AAAAAAADgPwAAAAAAAOA/AAAAAAAA4D8AAAAAAADgPwAAAAAAAOA/AAAAAAAA4D8AAAAAAADgPwAAAAAAAOA/AAAAAAAA4D8CAAAAjAAAAAAAAAAAAAAAT4G9DP///wgAAAAAAAAAAAAAAAAAAAAAAAAAAAAAAAAAAAAAZAAAAAEAAABAAAAAAAAAAAAAAAAAAAAAAAAAAAAAAAAAAAAAAAAAAAAAAAAAAAAAAAAAAAAAAAAAAAAAAAAAAAAAAAAAAAAAAAAAAAAAAAAAAAAAAAAAAAAAAAAAAAAAFAAAADwAAAAAAAAAAAAAAAAAAAkUAAAAAQAAABQAAAAUAAAAFAAAAAEAAAAAAAAAZAAAAGQAAAAAAAAAZAAAAGQAAAAVAAAAYAAAAAAAAAAAAAAADwAAACADAAAAAAAAAAAAAAEAAACgMgAAVgcAAKr4//8BAAAAf39/AAEAAABkAAAAAAAAABQAAABAHwAAAAAAACYAAAAAAAAAwOD//wAAAAAmAAAAZAAAABYAAABMAAAAAAAAAAAAAAAEAAAAAAAAAAEAAADu7OEKAAAAACgAAAAoAAAAZAAAAGQAAAAAAAAAzMzMAAAAAABQAAAAUAAAAGQAAABkAAAAAAAAABcAAAAUAAAAAAAAAAAAAAD/fwAA/38AAAAAAAAJAAAABAAAAAAAAAAMAAAAEAAAAAAAAAAAAAAAAAAAAAAAAAAeAAAAaAAAAAAAAAAAAAAAAAAAAAAAAAAAAAAAECcAABAnAAAAAAAAAAAAAAAAAAAAAAAAAAAAAAAAAAAAAAAAAAAAABQAAAAAAAAAwMD/AAAAAABkAAAAMgAAAAAAAABkAAAAAAAAAH9/fwAKAAAAHwAAAFQAAABPgb0F////AQAAAAAAAAAAAAAAAAAAAAAAAAAAAAAAAAAAAAAAAAAAAAAAAn9/fwDu7OEDzMzMAMDA/wB/f38AAAAAAAAAAAAAAAAAAAAAAAAAAAAhAAAAGAAAABQAAAA+DQAA5TgAACBEAACYOgAAEAAAACYAAAAIAAAA//////////8="/>
               </a:ext>
             </a:extLst>
           </p:cNvSpPr>
@@ -3886,13 +3863,13 @@
   </p:cSld>
   <p:clrMap bg1="lt1" tx1="dk1" bg2="lt2" tx2="dk2" accent1="accent1" accent2="accent2" accent3="accent3" accent4="accent4" accent5="accent5" accent6="accent6" hlink="hlink" folHlink="folHlink"/>
   <p:sldLayoutIdLst>
-    <p:sldLayoutId id="2147483661" r:id="rId1"/>
-    <p:sldLayoutId id="2147483662" r:id="rId2"/>
-    <p:sldLayoutId id="2147483666" r:id="rId3"/>
-    <p:sldLayoutId id="2147483668" r:id="rId4"/>
-    <p:sldLayoutId id="2147483664" r:id="rId5"/>
-    <p:sldLayoutId id="2147483667" r:id="rId6"/>
-    <p:sldLayoutId id="2147483665" r:id="rId7"/>
+    <p:sldLayoutId id="2147483661" r:id="rId2"/>
+    <p:sldLayoutId id="2147483662" r:id="rId3"/>
+    <p:sldLayoutId id="2147483666" r:id="rId4"/>
+    <p:sldLayoutId id="2147483668" r:id="rId5"/>
+    <p:sldLayoutId id="2147483664" r:id="rId6"/>
+    <p:sldLayoutId id="2147483667" r:id="rId7"/>
+    <p:sldLayoutId id="2147483665" r:id="rId8"/>
   </p:sldLayoutIdLst>
   <p:hf hdr="0"/>
   <p:txStyles>
@@ -4501,7 +4478,7 @@
 </file>
 
 <file path=ppt/slides/slide1.xml><?xml version="1.0" encoding="utf-8"?>
-<p:sld xmlns:a="http://schemas.openxmlformats.org/drawingml/2006/main" xmlns:r="http://schemas.openxmlformats.org/officeDocument/2006/relationships" xmlns:p="http://schemas.openxmlformats.org/presentationml/2006/main">
+<p:sld xmlns:p="http://schemas.openxmlformats.org/presentationml/2006/main" xmlns:p14="http://schemas.microsoft.com/office/powerpoint/2010/main" xmlns:r="http://schemas.openxmlformats.org/officeDocument/2006/relationships" xmlns:a="http://schemas.openxmlformats.org/drawingml/2006/main">
   <p:cSld>
     <p:spTree>
       <p:nvGrpSpPr>
@@ -4524,7 +4501,7 @@
             <a:spLocks noGrp="1" noChangeArrowheads="1"/>
             <a:extLst>
               <a:ext uri="smNativeData">
-                <pr:smNativeData xmlns:pr="smNativeData" xmlns:p14="http://schemas.microsoft.com/office/powerpoint/2010/main" xmlns="" val="SMDATA_13_ec9PYBMAAAAlAAAAZAAAAE0AAAAAAAAAAAAAAAAAAAAAAAAAAAAAAAAAAAAAAAAAAAEAAABQAAAAAAAAAAAA4D8AAAAAAADgPwAAAAAAAOA/AAAAAAAA4D8AAAAAAADgPwAAAAAAAOA/AAAAAAAA4D8AAAAAAADgPwAAAAAAAOA/AAAAAAAA4D8CAAAAjAAAAAAAAAAAAAAAT4G9DP///wgAAAAAAAAAAAAAAAAAAAAAAAAAAAAAAAAAAAAAZAAAAAEAAABAAAAAAAAAAAAAAAAAAAAAAAAAAAAAAAAAAAAAAAAAAAAAAAAAAAAAAAAAAAAAAAAAAAAAAAAAAAAAAAAAAAAAAAAAAAAAAAAAAAAAAAAAAAAAAAAAAAAAFAAAADwAAAAAAAAAAAAAAAAAAAkUAAAAAQAAABQAAAAUAAAAFAAAAAEAAAAAAAAAZAAAAGQAAAAAAAAAZAAAAGQAAAAVAAAAYAAAAAAAAAAAAAAADwAAACADAAAAAAAAAAAAAAEAAACgMgAAVgcAAKr4//8BAAAAf39/AAEAAABkAAAAAAAAABQAAABAHwAAAAAAACYAAAAAAAAAwOD//wAAAAAmAAAAZAAAABYAAABMAAAAAAAAAAAAAAAEAAAAAAAAAAEAAADu7OEKAAAAACgAAAAoAAAAZAAAAGQAAAAAAAAAzMzMAAAAAABQAAAAUAAAAGQAAABkAAAAAAAAABcAAAAUAAAAAAAAAAAAAAD/fwAA/38AAAAAAAAJAAAABAAAAAAAAAAMAAAAEAAAAAAAAAAAAAAAAAAAAAAAAAAeAAAAaAAAAAAAAAAAAAAAAAAAAAAAAAAAAAAAECcAABAnAAAAAAAAAAAAAAAAAAAAAAAAAAAAAAAAAAAAAAAAAAAAABQAAAAAAAAAwMD/AAAAAABkAAAAMgAAAAAAAABkAAAAAAAAAH9/fwAKAAAAHwAAAFQAAABPgb0F////AQAAAAAAAAAAAAAAAAAAAAAAAAAAAAAAAAAAAAAAAAAAAAAAAn9/fwDu7OEDzMzMAMDA/wB/f38AAAAAAAAAAAAAAAAAAAAAAAAAAAAhAAAAGAAAABQAAACSBQAAmBwAAERIAADYJwAAACAAACYAAAAIAAAAAQAAAAAAAAA="/>
+                <pr:smNativeData xmlns:pr="smNativeData" val="SMDATA_13_eIVQYBMAAAAlAAAAZAAAAA0AAAAAAAAAAAAAAAAAAAAAAAAAAAAAAAAAAAAAAAAAAAEAAABQAAAAAAAAAAAA4D8AAAAAAADgPwAAAAAAAOA/AAAAAAAA4D8AAAAAAADgPwAAAAAAAOA/AAAAAAAA4D8AAAAAAADgPwAAAAAAAOA/AAAAAAAA4D8CAAAAjAAAAAAAAAAAAAAA////AP///wgAAAAAAAAAAAAAAAAAAAAAAAAAAAAAAAAAAAAAeAAAAAEAAABAAAAAAAAAAAAAAABaAAAAAAAAAAAAAAAAAAAAAAAAAAAAAAAAAAAAAAAAAAAAAAAAAAAAAAAAAAAAAAAAAAAAAAAAAAAAAAAAAAAAAAAAAAAAAAAAAAAAFAAAADwAAAAAAAAAAAAAAAAAAAAPAAAAAQAAACMAAAAjAAAAIwAAAB4AAAAAAAAAZAAAAGQAAAAAAAAAZAAAAGQAAAAVAAAAYAAAAAAAAAAAAAAADwAAACADAAAAAAAAAAAAAAEAAACgMgAAVgcAAKr4//8BAAAAf39/AAEAAABkAAAAAAAAABQAAABAHwAAAAAAACYAAAAAAAAAwOD//wAAAAAmAAAAZAAAABYAAABMAAAAAAAAAAAAAAAEAAAAAAAAAAEAAADu7OEKAAAAACgAAAAoAAAAZAAAAGQAAAAAAAAAzMzMAAAAAABQAAAAUAAAAGQAAABkAAAAAAAAABcAAAAUAAAAAAAAAAAAAAD/fwAA/38AAAAAAAAJAAAABAAAAAAAAAAMAAAAEAAAAAAAAAAAAAAAAAAAAAAAAAAeAAAAaAAAAAAAAAAAAAAAAAAAAAAAAAAAAAAAECcAABAnAAAAAAAAAAAAAAAAAAAAAAAAAAAAAAAAAAAAAAAAAAAAABQAAAAAAAAAwMD/AAAAAABkAAAAMgAAAAAAAABkAAAAAAAAAH9/fwAKAAAAHwAAAFQAAAD///8A////AQAAAAAAAAAAAAAAAAAAAAAAAAAAAAAAAAAAAAAAAAAAAAAAAH9/fwDu7OEDzMzMAMDA/wB/f38AAAAAAAAAAAAAAAAAAAAAAAAAAAAhAAAAGAAAABQAAACSBQAAmBwAAERIAADYJwAAEAAAACYAAAAIAAAAAQAAAAAAAAA="/>
               </a:ext>
             </a:extLst>
           </p:cNvSpPr>
@@ -4558,7 +4535,7 @@
             <a:spLocks noGrp="1" noChangeArrowheads="1"/>
             <a:extLst>
               <a:ext uri="smNativeData">
-                <pr:smNativeData xmlns:pr="smNativeData" xmlns:p14="http://schemas.microsoft.com/office/powerpoint/2010/main" xmlns="" val="SMDATA_13_ec9PYBMAAAAlAAAAZAAAAE0AAAAAAAAAAAAAAAAAAAAAAAAAAAAAAAAAAAAAAAAAAAEAAABQAAAAAAAAAAAA4D8AAAAAAADgPwAAAAAAAOA/AAAAAAAA4D8AAAAAAADgPwAAAAAAAOA/AAAAAAAA4D8AAAAAAADgPwAAAAAAAOA/AAAAAAAA4D8CAAAAjAAAAAAAAAAAAAAAT4G9DP///wgAAAAAAAAAAAAAAAAAAAAAAAAAAAAAAAAAAAAAZAAAAAEAAABAAAAAAAAAAAAAAAAAAAAAAAAAAAAAAAAAAAAAAAAAAAAAAAAAAAAAAAAAAAAAAAAAAAAAAAAAAAAAAAAAAAAAAAAAAAAAAAAAAAAAAAAAAAAAAAAAAAAAFAAAADwAAAAAAAAAAAAAAAAAAAkUAAAAAQAAABQAAAAUAAAAFAAAAAEAAAAAAAAAZAAAAGQAAAAAAAAAZAAAAGQAAAAVAAAAYAAAAAAAAAAAAAAADwAAACADAAAAAAAAAAAAAAEAAACgMgAAVgcAAKr4//8BAAAAf39/AAEAAABkAAAAAAAAABQAAABAHwAAAAAAACYAAAAAAAAAwOD//wAAAAAmAAAAZAAAABYAAABMAAAAAAAAAAAAAAAEAAAAAAAAAAEAAADu7OEKAAAAACgAAAAoAAAAZAAAAGQAAAAAAAAAzMzMAAAAAABQAAAAUAAAAGQAAABkAAAAAAAAABcAAAAUAAAAAAAAAAAAAAD/fwAA/38AAAAAAAAJAAAABAAAAAAAAAAMAAAAEAAAAAAAAAAAAAAAAAAAAAAAAAAeAAAAaAAAAAAAAAAAAAAAAAAAAAAAAAAAAAAAECcAABAnAAAAAAAAAAAAAAAAAAAAAAAAAAAAAAAAAAAAAAAAAAAAABQAAAAAAAAAwMD/AAAAAABkAAAAMgAAAAAAAABkAAAAAAAAAH9/fwAKAAAAHwAAAFQAAABPgb0F////AQAAAAAAAAAAAAAAAAAAAAAAAAAAAAAAAAAAAAAAAAAAAAAAAn9/fwDu7OEDzMzMAMDA/wB/f38AAAAAAAAAAAAAAAAAAAAAAAAAAAAhAAAAGAAAABQAAADIBQAAgigAAMg9AADCKgAAACAAACYAAAAIAAAAAQAAAAAAAAA="/>
+                <pr:smNativeData xmlns:pr="smNativeData" val="SMDATA_13_eIVQYBMAAAAlAAAAZAAAAA0AAAAAAAAAAAAAAAAAAAAAAAAAAAAAAAAAAAAAAAAAAAEAAABQAAAAAAAAAAAA4D8AAAAAAADgPwAAAAAAAOA/AAAAAAAA4D8AAAAAAADgPwAAAAAAAOA/AAAAAAAA4D8AAAAAAADgPwAAAAAAAOA/AAAAAAAA4D8CAAAAjAAAAAAAAAAAAAAA////AP///wgAAAAAAAAAAAAAAAAAAAAAAAAAAAAAAAAAAAAAeAAAAAEAAABAAAAAAAAAAAAAAABaAAAAAAAAAAAAAAAAAAAAAAAAAAAAAAAAAAAAAAAAAAAAAAAAAAAAAAAAAAAAAAAAAAAAAAAAAAAAAAAAAAAAAAAAAAAAAAAAAAAAFAAAADwAAAAAAAAAAAAAAAAAAAAPAAAAAQAAACMAAAAjAAAAIwAAAB4AAAAAAAAAZAAAAGQAAAAAAAAAZAAAAGQAAAAVAAAAYAAAAAAAAAAAAAAADwAAACADAAAAAAAAAAAAAAEAAACgMgAAVgcAAKr4//8BAAAAf39/AAEAAABkAAAAAAAAABQAAABAHwAAAAAAACYAAAAAAAAAwOD//wAAAAAmAAAAZAAAABYAAABMAAAAAAAAAAAAAAAEAAAAAAAAAAEAAADu7OEKAAAAACgAAAAoAAAAZAAAAGQAAAAAAAAAzMzMAAAAAABQAAAAUAAAAGQAAABkAAAAAAAAABcAAAAUAAAAAAAAAAAAAAD/fwAA/38AAAAAAAAJAAAABAAAAAAAAAAMAAAAEAAAAAAAAAAAAAAAAAAAAAAAAAAeAAAAaAAAAAAAAAAAAAAAAAAAAAAAAAAAAAAAECcAABAnAAAAAAAAAAAAAAAAAAAAAAAAAAAAAAAAAAAAAAAAAAAAABQAAAAAAAAAwMD/AAAAAABkAAAAMgAAAAAAAABkAAAAAAAAAH9/fwAKAAAAHwAAAFQAAAD///8A////AQAAAAAAAAAAAAAAAAAAAAAAAAAAAAAAAAAAAAAAAAAAAAAAAH9/fwDu7OEDzMzMAMDA/wB/f38AAAAAAAAAAAAAAAAAAAAAAAAAAAAhAAAAGAAAABQAAADIBQAAgigAAMg9AADCKgAAEAAAACYAAAAIAAAAAQAAAAAAAAA="/>
               </a:ext>
             </a:extLst>
           </p:cNvSpPr>
@@ -4592,7 +4569,7 @@
             <a:spLocks noGrp="1" noChangeArrowheads="1"/>
             <a:extLst>
               <a:ext uri="smNativeData">
-                <pr:smNativeData xmlns:pr="smNativeData" xmlns:p14="http://schemas.microsoft.com/office/powerpoint/2010/main" xmlns="" val="SMDATA_13_ec9PYBMAAAAlAAAAZAAAAE0AAAAAAAAAAAAAAAAAAAAAAAAAAAAAAAAAAAAAAAAAAAEAAABQAAAAAAAAAAAA4D8AAAAAAADgPwAAAAAAAOA/AAAAAAAA4D8AAAAAAADgPwAAAAAAAOA/AAAAAAAA4D8AAAAAAADgPwAAAAAAAOA/AAAAAAAA4D8CAAAAjAAAAAAAAAAAAAAAT4G9DP///wgAAAAAAAAAAAAAAAAAAAAAAAAAAAAAAAAAAAAAZAAAAAEAAABAAAAAAAAAAAAAAAAAAAAAAAAAAAAAAAAAAAAAAAAAAAAAAAAAAAAAAAAAAAAAAAAAAAAAAAAAAAAAAAAAAAAAAAAAAAAAAAAAAAAAAAAAAAAAAAAAAAAAFAAAADwAAAAAAAAAAAAAAAAAAAkUAAAAAQAAABQAAAAUAAAAFAAAAAEAAAAAAAAAZAAAAGQAAAAAAAAAZAAAAGQAAAAVAAAAYAAAAAAAAAAAAAAADwAAACADAAAAAAAAAAAAAAEAAACgMgAAVgcAAKr4//8BAAAAf39/AAEAAABkAAAAAAAAABQAAABAHwAAAAAAACYAAAAAAAAAwOD//wAAAAAmAAAAZAAAABYAAABMAAAAAAAAAAAAAAAEAAAAAAAAAAEAAADu7OEKAAAAACgAAAAoAAAAZAAAAGQAAAAAAAAAzMzMAAAAAABQAAAAUAAAAGQAAABkAAAAAAAAABcAAAAUAAAAAAAAAAAAAAD/fwAA/38AAAAAAAAJAAAABAAAAAAAAAAMAAAAEAAAAAAAAAAAAAAAAAAAAAAAAAAeAAAAaAAAAAAAAAAAAAAAAAAAAAAAAAAAAAAAECcAABAnAAAAAAAAAAAAAAAAAAAAAAAAAAAAAAAAAAAAAAAAAAAAABQAAAAAAAAAwMD/AAAAAABkAAAAMgAAAAAAAABkAAAAAAAAAH9/fwAKAAAAHwAAAFQAAABPgb0F////AQAAAAAAAAAAAAAAAAAAAAAAAAAAAAAAAAAAAAAAAAAAAAAAAn9/fwDu7OEDzMzMAMDA/wB/f38AAAAAAAAAAAAAAAAAAAAAAAAAAAAhAAAAGAAAABQAAADIBQAAyBkAAGg4AAAOHAAAECAAACYAAAAIAAAAAQAAAAAAAAA="/>
+                <pr:smNativeData xmlns:pr="smNativeData" val="SMDATA_13_eIVQYBMAAAAlAAAAZAAAAA0AAAAAAAAAAAAAAAAAAAAAAAAAAAAAAAAAAAAAAAAAAAEAAABQAAAAAAAAAAAA4D8AAAAAAADgPwAAAAAAAOA/AAAAAAAA4D8AAAAAAADgPwAAAAAAAOA/AAAAAAAA4D8AAAAAAADgPwAAAAAAAOA/AAAAAAAA4D8CAAAAjAAAAAAAAAAAAAAA////AP///wgAAAAAAAAAAAAAAAAAAAAAAAAAAAAAAAAAAAAAeAAAAAEAAABAAAAAAAAAAAAAAABaAAAAAAAAAAAAAAAAAAAAAAAAAAAAAAAAAAAAAAAAAAAAAAAAAAAAAAAAAAAAAAAAAAAAAAAAAAAAAAAAAAAAAAAAAAAAAAAAAAAAFAAAADwAAAAAAAAAAAAAAAAAAAAPAAAAAQAAACMAAAAjAAAAIwAAAB4AAAAAAAAAZAAAAGQAAAAAAAAAZAAAAGQAAAAVAAAAYAAAAAAAAAAAAAAADwAAACADAAAAAAAAAAAAAAEAAACgMgAAVgcAAKr4//8BAAAAf39/AAEAAABkAAAAAAAAABQAAABAHwAAAAAAACYAAAAAAAAAwOD//wAAAAAmAAAAZAAAABYAAABMAAAAAAAAAAAAAAAEAAAAAAAAAAEAAADu7OEKAAAAACgAAAAoAAAAZAAAAGQAAAAAAAAAzMzMAAAAAABQAAAAUAAAAGQAAABkAAAAAAAAABcAAAAUAAAAAAAAAAAAAAD/fwAA/38AAAAAAAAJAAAABAAAAAAAAAAMAAAAEAAAAAAAAAAAAAAAAAAAAAAAAAAeAAAAaAAAAAAAAAAAAAAAAAAAAAAAAAAAAAAAECcAABAnAAAAAAAAAAAAAAAAAAAAAAAAAAAAAAAAAAAAAAAAAAAAABQAAAAAAAAAwMD/AAAAAABkAAAAMgAAAAAAAABkAAAAAAAAAH9/fwAKAAAAHwAAAFQAAAD///8A////AQAAAAAAAAAAAAAAAAAAAAAAAAAAAAAAAAAAAAAAAAAAAAAAAH9/fwDu7OEDzMzMAMDA/wB/f38AAAAAAAAAAAAAAAAAAAAAAAAAAAAhAAAAGAAAABQAAADIBQAAyBkAAGg4AAAOHAAAEAAAACYAAAAIAAAAAQAAAAAAAAA="/>
               </a:ext>
             </a:extLst>
           </p:cNvSpPr>
@@ -4624,11 +4601,18 @@
   <p:clrMapOvr>
     <a:masterClrMapping/>
   </p:clrMapOvr>
+  <p:timing>
+    <p:tnLst>
+      <p:par>
+        <p:cTn id="1" dur="indefinite" restart="never" nodeType="tmRoot"/>
+      </p:par>
+    </p:tnLst>
+  </p:timing>
 </p:sld>
 </file>
 
 <file path=ppt/slides/slide10.xml><?xml version="1.0" encoding="utf-8"?>
-<p:sld xmlns:a="http://schemas.openxmlformats.org/drawingml/2006/main" xmlns:r="http://schemas.openxmlformats.org/officeDocument/2006/relationships" xmlns:p="http://schemas.openxmlformats.org/presentationml/2006/main">
+<p:sld xmlns:p="http://schemas.openxmlformats.org/presentationml/2006/main" xmlns:p14="http://schemas.microsoft.com/office/powerpoint/2010/main" xmlns:r="http://schemas.openxmlformats.org/officeDocument/2006/relationships" xmlns:a="http://schemas.openxmlformats.org/drawingml/2006/main">
   <p:cSld>
     <p:spTree>
       <p:nvGrpSpPr>
@@ -4651,7 +4635,7 @@
             <a:spLocks noGrp="1" noChangeArrowheads="1"/>
             <a:extLst>
               <a:ext uri="smNativeData">
-                <pr:smNativeData xmlns="" xmlns:p14="http://schemas.microsoft.com/office/powerpoint/2010/main" xmlns:pr="smNativeData" val="SMDATA_13_ec9PYBMAAAAlAAAAZAAAAE0AAAAAAAAAAAAAAAAAAAAAAAAAAAAAAAAAAAAAAAAAAAEAAABQAAAAAAAAAAAA4D8AAAAAAADgPwAAAAAAAOA/AAAAAAAA4D8AAAAAAADgPwAAAAAAAOA/AAAAAAAA4D8AAAAAAADgPwAAAAAAAOA/AAAAAAAA4D8CAAAAjAAAAAAAAAAAAAAAT4G9DP///wgAAAAAAAAAAAAAAAAAAAAAAAAAAAAAAAAAAAAAZAAAAAEAAABAAAAAAAAAAAAAAAAAAAAAAAAAAAAAAAAAAAAAAAAAAAAAAAAAAAAAAAAAAAAAAAAAAAAAAAAAAAAAAAAAAAAAAAAAAAAAAAAAAAAAAAAAAAAAAAAAAAAAFAAAADwAAAAAAAAAAAAAAAAAAAkUAAAAAQAAABQAAAAUAAAAFAAAAAEAAAAAAAAAZAAAAGQAAAAAAAAAZAAAAGQAAAAVAAAAYAAAAAAAAAAAAAAADwAAACADAAAAAAAAAAAAAAEAAACgMgAAVgcAAKr4//8BAAAAf39/AAEAAABkAAAAAAAAABQAAABAHwAAAAAAACYAAAAAAAAAwOD//wAAAAAmAAAAZAAAABYAAABMAAAAAAAAAAAAAAAEAAAAAAAAAAEAAADu7OEKAAAAACgAAAAoAAAAZAAAAGQAAAAAAAAAzMzMAAAAAABQAAAAUAAAAGQAAABkAAAAAAAAABcAAAAUAAAAAAAAAAAAAAD/fwAA/38AAAAAAAAJAAAABAAAAAAAAAAMAAAAEAAAAAAAAAAAAAAAAAAAAAAAAAAeAAAAaAAAAAAAAAAAAAAAAAAAAAAAAAAAAAAAECcAABAnAAAAAAAAAAAAAAAAAAAAAAAAAAAAAAAAAAAAAAAAAAAAABQAAAAAAAAAwMD/AAAAAABkAAAAMgAAAAAAAABkAAAAAAAAAH9/fwAKAAAAHwAAAFQAAABPgb0F////AQAAAAAAAAAAAAAAAAAAAAAAAAAAAAAAAAAAAAAAAAAAAAAAAn9/fwDu7OEDzMzMAMDA/wB/f38AAAAAAAAAAAAAAAAAAAAAAAAAAAAhAAAAGAAAABQAAADIBQAAiQsAAHpIAACpDwAAACAAACYAAAAIAAAAAQAAAAAAAAA="/>
+                <pr:smNativeData xmlns:pr="smNativeData" val="SMDATA_13_eIVQYBMAAAAlAAAAZAAAAA0AAAAAAAAAAAAAAAAAAAAAAAAAAAAAAAAAAAAAAAAAAAEAAABQAAAAAAAAAAAA4D8AAAAAAADgPwAAAAAAAOA/AAAAAAAA4D8AAAAAAADgPwAAAAAAAOA/AAAAAAAA4D8AAAAAAADgPwAAAAAAAOA/AAAAAAAA4D8CAAAAjAAAAAAAAAAAAAAA////AP///wgAAAAAAAAAAAAAAAAAAAAAAAAAAAAAAAAAAAAAeAAAAAEAAABAAAAAAAAAAAAAAABaAAAAAAAAAAAAAAAAAAAAAAAAAAAAAAAAAAAAAAAAAAAAAAAAAAAAAAAAAAAAAAAAAAAAAAAAAAAAAAAAAAAAAAAAAAAAAAAAAAAAFAAAADwAAAAAAAAAAAAAAAAAAAAPAAAAAQAAACMAAAAjAAAAIwAAAB4AAAAAAAAAZAAAAGQAAAAAAAAAZAAAAGQAAAAVAAAAYAAAAAAAAAAAAAAADwAAACADAAAAAAAAAAAAAAEAAACgMgAAVgcAAKr4//8BAAAAf39/AAEAAABkAAAAAAAAABQAAABAHwAAAAAAACYAAAAAAAAAwOD//wAAAAAmAAAAZAAAABYAAABMAAAAAAAAAAAAAAAEAAAAAAAAAAEAAADu7OEKAAAAACgAAAAoAAAAZAAAAGQAAAAAAAAAzMzMAAAAAABQAAAAUAAAAGQAAABkAAAAAAAAABcAAAAUAAAAAAAAAAAAAAD/fwAA/38AAAAAAAAJAAAABAAAAC5kaWEMAAAAEAAAAAAAAAAAAAAAAAAAAAAAAAAeAAAAaAAAAAAAAAAAAAAAAAAAAAAAAAAAAAAAECcAABAnAAAAAAAAAAAAAAAAAAAAAAAAAAAAAAAAAAAAAAAAAAAAABQAAAAAAAAAwMD/AAAAAABkAAAAMgAAAAAAAABkAAAAAAAAAH9/fwAKAAAAHwAAAFQAAAD///8A////AQAAAAAAAAAAAAAAAAAAAAAAAAAAAAAAAAAAAAAAAAAAAAAAAH9/fwDu7OEDzMzMAMDA/wB/f38AAAAAAAAAAAAAAAAAAAAAAAAAAAAhAAAAGAAAABQAAADIBQAAiQsAAHpIAACpDwAAEAAAACYAAAAIAAAAAQAAAAAAAAA="/>
               </a:ext>
             </a:extLst>
           </p:cNvSpPr>
@@ -4673,16 +4657,7 @@
               <a:defRPr lang="en-gb"/>
             </a:pPr>
             <a:r>
-              <a:rPr dirty="0"/>
-              <a:t>Approach </a:t>
-            </a:r>
-            <a:r>
-              <a:rPr lang="en-GB" dirty="0"/>
-              <a:t>–</a:t>
-            </a:r>
-            <a:r>
-              <a:rPr dirty="0"/>
-              <a:t> Services</a:t>
+              <a:t>Approach – Services</a:t>
             </a:r>
           </a:p>
         </p:txBody>
@@ -4694,7 +4669,7 @@
             <a:spLocks noGrp="1" noChangeArrowheads="1"/>
             <a:extLst>
               <a:ext uri="smNativeData">
-                <pr:smNativeData xmlns="" xmlns:p14="http://schemas.microsoft.com/office/powerpoint/2010/main" xmlns:pr="smNativeData" val="SMDATA_13_ec9PYBMAAAAlAAAAZAAAAE0AAAAAAAAAAAAAAAAAAAAAAAAAAAAAAAAAAAAAAAAAAAEAAABQAAAAAAAAAAAA4D8AAAAAAADgPwAAAAAAAOA/AAAAAAAA4D8AAAAAAADgPwAAAAAAAOA/AAAAAAAA4D8AAAAAAADgPwAAAAAAAOA/AAAAAAAA4D8CAAAAjAAAAAAAAAAAAAAAT4G9DP///wgAAAAAAAAAAAAAAAAAAAAAAAAAAAAAAAAAAAAAZAAAAAEAAABAAAAAAAAAAAAAAAAAAAAAAAAAAAAAAAAAAAAAAAAAAAAAAAAAAAAAAAAAAAAAAAAAAAAAAAAAAAAAAAAAAAAAAAAAAAAAAAAAAAAAAAAAAAAAAAAAAAAAFAAAADwAAAAAAAAAAAAAAAAAAAkUAAAAAQAAABQAAAAUAAAAFAAAAAEAAAAAAAAAZAAAAGQAAAAAAAAAZAAAAGQAAAAVAAAAYAAAAAAAAAAAAAAADwAAACADAAAAAAAAAAAAAAEAAACgMgAAVgcAAKr4//8BAAAAf39/AAEAAABkAAAAAAAAABQAAABAHwAAAAAAACYAAAAAAAAAwOD//wAAAAAmAAAAZAAAABYAAABMAAAAAAAAAAAAAAAEAAAAAAAAAAEAAADu7OEKAAAAACgAAAAoAAAAZAAAAGQAAAAAAAAAzMzMAAAAAABQAAAAUAAAAGQAAABkAAAAAAAAABcAAAAUAAAAAAAAAAAAAAD/fwAA/38AAAAAAAAJAAAABAAAAL4FAAAMAAAAEAAAAAAAAAAAAAAAAAAAAAAAAAAeAAAAaAAAAAAAAAAAAAAAAAAAAAAAAAAAAAAAECcAABAnAAAAAAAAAAAAAAAAAAAAAAAAAAAAAAAAAAAAAAAAAAAAABQAAAAAAAAAwMD/AAAAAABkAAAAMgAAAAAAAABkAAAAAAAAAH9/fwAKAAAAHwAAAFQAAABPgb0F////AQAAAAAAAAAAAAAAAAAAAAAAAAAAAAAAAAAAAAAAAAAAAAAAAn9/fwDu7OEDzMzMAMDA/wB/f38AAAAAAAAAAAAAAAAAAAAAAAAAAAAhAAAAGAAAABQAAADIBQAAwBIAAHpIAACQGwAAACAAACYAAAAIAAAAAYAAAAAAAAA="/>
+                <pr:smNativeData xmlns:pr="smNativeData" val="SMDATA_13_eIVQYBMAAAAlAAAAZAAAAA0AAAAAAAAAAAAAAAAAAAAAAAAAAAAAAAAAAAAAAAAAAAEAAABQAAAAAAAAAAAA4D8AAAAAAADgPwAAAAAAAOA/AAAAAAAA4D8AAAAAAADgPwAAAAAAAOA/AAAAAAAA4D8AAAAAAADgPwAAAAAAAOA/AAAAAAAA4D8CAAAAjAAAAAAAAAAAAAAA////AP///wgAAAAAAAAAAAAAAAAAAAAAAAAAAAAAAAAAAAAAeAAAAAEAAABAAAAAAAAAAAAAAABaAAAAAAAAAAAAAAAAAAAAAAAAAAAAAAAAAAAAAAAAAAAAAAAAAAAAAAAAAAAAAAAAAAAAAAAAAAAAAAAAAAAAAAAAAAAAAAAAAAAAFAAAADwAAAAAAAAAAAAAAAAAAAAPAAAAAQAAACMAAAAjAAAAIwAAAB4AAAAAAAAAZAAAAGQAAAAAAAAAZAAAAGQAAAAVAAAAYAAAAAAAAAAAAAAADwAAACADAAAAAAAAAAAAAAEAAACgMgAAVgcAAKr4//8BAAAAf39/AAEAAABkAAAAAAAAABQAAABAHwAAAAAAACYAAAAAAAAAwOD//wAAAAAmAAAAZAAAABYAAABMAAAAAAAAAAAAAAAEAAAAAAAAAAEAAADu7OEKAAAAACgAAAAoAAAAZAAAAGQAAAAAAAAAzMzMAAAAAABQAAAAUAAAAGQAAABkAAAAAAAAABcAAAAUAAAAAAAAAAAAAAD/fwAA/38AAAAAAAAJAAAABAAAAAAAAAAMAAAAEAAAAAAAAAAAAAAAAAAAAAAAAAAeAAAAaAAAAAAAAAAAAAAAAAAAAAAAAAAAAAAAECcAABAnAAAAAAAAAAAAAAAAAAAAAAAAAAAAAAAAAAAAAAAAAAAAABQAAAAAAAAAwMD/AAAAAABkAAAAMgAAAAAAAABkAAAAAAAAAH9/fwAKAAAAHwAAAFQAAAD///8A////AQAAAAAAAAAAAAAAAAAAAAAAAAAAAAAAAAAAAAAAAAAAAAAAAH9/fwDu7OEDzMzMAMDA/wB/f38AAAAAAAAAAAAAAAAAAAAAAAAAAAAhAAAAGAAAABQAAADIBQAAwBIAAHpIAADDMgAAEAAAACYAAAAIAAAAAYAAAAAAAAA="/>
               </a:ext>
             </a:extLst>
           </p:cNvSpPr>
@@ -4705,7 +4680,7 @@
         <p:spPr>
           <a:xfrm>
             <a:off x="939800" y="3048000"/>
-            <a:ext cx="10841990" cy="1432560"/>
+            <a:ext cx="10841990" cy="5203825"/>
           </a:xfrm>
         </p:spPr>
         <p:txBody>
@@ -4722,7 +4697,7 @@
                 <a:schemeClr val="accent1"/>
               </a:buClr>
               <a:buSzPts val="2910"/>
-              <a:buFont typeface="Wingdings" charset="0"/>
+              <a:buFont typeface="Wingdings" pitchFamily="0" charset="0"/>
               <a:buChar char="§"/>
               <a:tabLst/>
               <a:defRPr lang="de-de" sz="2800" b="0" i="0" baseline="0">
@@ -4753,7 +4728,7 @@
               <a:lnSpc>
                 <a:spcPct val="150000"/>
               </a:lnSpc>
-              <a:buFont typeface="Wingdings" charset="0"/>
+              <a:buFont typeface="Wingdings" pitchFamily="0" charset="0"/>
               <a:buChar char="§"/>
               <a:defRPr lang="de-de" sz="2000" b="0" i="0" baseline="0">
                 <a:solidFill>
@@ -4785,78 +4760,73 @@
           </a:lstStyle>
           <a:p>
             <a:pPr>
-              <a:defRPr lang="de-de" b="0"/>
-            </a:pPr>
-            <a:r>
-              <a:rPr dirty="0"/>
+              <a:defRPr lang="de-de"/>
+            </a:pPr>
+            <a:r>
               <a:t>Human activity services:</a:t>
             </a:r>
           </a:p>
           <a:p>
             <a:pPr lvl="1">
-              <a:defRPr lang="de-de" b="0"/>
-            </a:pPr>
-            <a:r>
-              <a:rPr lang="de-DE" dirty="0"/>
+              <a:defRPr lang="de-de"/>
+            </a:pPr>
+            <a:r>
               <a:t>Health – Heart rate monitor</a:t>
             </a:r>
           </a:p>
           <a:p>
             <a:pPr lvl="1">
-              <a:defRPr lang="de-de" b="0"/>
-            </a:pPr>
-            <a:r>
-              <a:rPr lang="de-DE" dirty="0"/>
+              <a:defRPr lang="de-de"/>
+            </a:pPr>
+            <a:r>
               <a:t>Location – GPS </a:t>
             </a:r>
           </a:p>
           <a:p>
             <a:pPr lvl="1">
-              <a:defRPr lang="de-de" b="0"/>
-            </a:pPr>
-            <a:r>
-              <a:rPr lang="de-DE" dirty="0"/>
+              <a:defRPr lang="de-de"/>
+            </a:pPr>
+            <a:r>
               <a:t>Activity – Pedometer</a:t>
             </a:r>
-            <a:endParaRPr dirty="0"/>
-          </a:p>
-          <a:p>
-            <a:pPr>
-              <a:defRPr lang="de-de" b="0"/>
-            </a:pPr>
-            <a:r>
-              <a:rPr lang="de-DE" dirty="0"/>
+          </a:p>
+          <a:p>
+            <a:pPr>
+              <a:defRPr lang="de-de"/>
+            </a:pPr>
+            <a:r>
               <a:t>Privacy permission service</a:t>
             </a:r>
-            <a:endParaRPr dirty="0"/>
-          </a:p>
-          <a:p>
-            <a:pPr>
-              <a:defRPr lang="de-de"/>
-            </a:pPr>
-            <a:r>
-              <a:rPr lang="en-gb" dirty="0"/>
+          </a:p>
+          <a:p>
+            <a:pPr>
+              <a:defRPr lang="de-de"/>
+            </a:pPr>
+            <a:r>
+              <a:rPr lang="en-gb"/>
               <a:t>Random sensing service</a:t>
             </a:r>
-          </a:p>
-          <a:p>
-            <a:pPr>
-              <a:defRPr lang="de-de"/>
-            </a:pPr>
-            <a:r>
-              <a:rPr lang="en-GB" dirty="0"/>
+            <a:endParaRPr lang="en-gb"/>
+          </a:p>
+          <a:p>
+            <a:pPr>
+              <a:defRPr lang="de-de"/>
+            </a:pPr>
+            <a:r>
+              <a:rPr lang="en-gb"/>
               <a:t>Message port service</a:t>
             </a:r>
-          </a:p>
-          <a:p>
-            <a:pPr>
-              <a:defRPr lang="de-de"/>
-            </a:pPr>
-            <a:r>
-              <a:rPr lang="en-GB" dirty="0"/>
+            <a:endParaRPr lang="en-gb"/>
+          </a:p>
+          <a:p>
+            <a:pPr>
+              <a:defRPr lang="de-de"/>
+            </a:pPr>
+            <a:r>
+              <a:rPr lang="en-gb"/>
               <a:t>Feedback service</a:t>
             </a:r>
-            <a:endParaRPr lang="en-gb" dirty="0"/>
+            <a:endParaRPr lang="en-gb"/>
           </a:p>
         </p:txBody>
       </p:sp>
@@ -4867,7 +4837,7 @@
             <a:spLocks noGrp="1" noChangeArrowheads="1"/>
             <a:extLst>
               <a:ext uri="smNativeData">
-                <pr:smNativeData xmlns="" xmlns:p14="http://schemas.microsoft.com/office/powerpoint/2010/main" xmlns:pr="smNativeData" val="SMDATA_13_ec9PYBMAAAAlAAAAZAAAAA0AAAAAAAAAAAAAAAAAAAAAAAAAAAAAAAAAAAAAAAAAAAEAAABQAAAAAAAAAAAA4D8AAAAAAADgPwAAAAAAAOA/AAAAAAAA4D8AAAAAAADgPwAAAAAAAOA/AAAAAAAA4D8AAAAAAADgPwAAAAAAAOA/AAAAAAAA4D8CAAAAjAAAAAAAAAAAAAAAT4G9DP///wgAAAAAAAAAAAAAAAAAAAAAAAAAAAAAAAAAAAAAZAAAAAEAAABAAAAAAAAAAAAAAAAAAAAAAAAAAAAAAAAAAAAAAAAAAAAAAAAAAAAAAAAAAAAAAAAAAAAAAAAAAAAAAAAAAAAAAAAAAAAAAAAAAAAAAAAAAAAAAAAAAAAAFAAAADwAAAAAAAAAAAAAAAAAAAkUAAAAAQAAABQAAAAUAAAAFAAAAAEAAAAAAAAAZAAAAGQAAAAAAAAAZAAAAGQAAAAVAAAAYAAAAAAAAAAAAAAADwAAACADAAAAAAAAAAAAAAEAAACgMgAAVgcAAKr4//8BAAAAf39/AAEAAABkAAAAAAAAABQAAABAHwAAAAAAACYAAAAAAAAAwOD//wAAAAAmAAAAZAAAABYAAABMAAAAAAAAAAAAAAAEAAAAAAAAAAEAAADu7OEKAAAAACgAAAAoAAAAZAAAAGQAAAAAAAAAzMzMAAAAAABQAAAAUAAAAGQAAABkAAAAAAAAABcAAAAUAAAAAAAAAAAAAAD/fwAA/38AAAAAAAAJAAAABAAAAGwAAAAMAAAAEAAAAAAAAAAAAAAAAAAAAAAAAAAeAAAAaAAAAAAAAAAAAAAAAAAAAAAAAAAAAAAAECcAABAnAAAAAAAAAAAAAAAAAAAAAAAAAAAAAAAAAAAAAAAAAAAAABQAAAAAAAAAwMD/AAAAAABkAAAAMgAAAAAAAABkAAAAAAAAAH9/fwAKAAAAHwAAAFQAAABPgb0F////AQAAAAAAAAAAAAAAAAAAAAAAAAAAAAAAAAAAAAAAAAAAAAAAAn9/fwDu7OEDzMzMAMDA/wB/f38AAAAAAAAAAAAAAAAAAAAAAAAAAAAhAAAAGAAAABQAAADqAQAA4DgAAPAKAACYOgAAEAAAACYAAAAIAAAAAQAAAAAAAAA="/>
+                <pr:smNativeData xmlns:pr="smNativeData" val="SMDATA_13_eIVQYBMAAAAlAAAAZAAAAA0AAAAAAAAAAAAAAAAAAAAAAAAAAAAAAAAAAAAAAAAAAAEAAABQAAAAAAAAAAAA4D8AAAAAAADgPwAAAAAAAOA/AAAAAAAA4D8AAAAAAADgPwAAAAAAAOA/AAAAAAAA4D8AAAAAAADgPwAAAAAAAOA/AAAAAAAA4D8CAAAAjAAAAAAAAAAAAAAA////AP///wgAAAAAAAAAAAAAAAAAAAAAAAAAAAAAAAAAAAAAeAAAAAEAAABAAAAAAAAAAAAAAABaAAAAAAAAAAAAAAAAAAAAAAAAAAAAAAAAAAAAAAAAAAAAAAAAAAAAAAAAAAAAAAAAAAAAAAAAAAAAAAAAAAAAAAAAAAAAAAAAAAAAFAAAADwAAAAAAAAAAAAAAAAAAAAPAAAAAQAAACMAAAAjAAAAIwAAAB4AAAAAAAAAZAAAAGQAAAAAAAAAZAAAAGQAAAAVAAAAYAAAAAAAAAAAAAAADwAAACADAAAAAAAAAAAAAAEAAACgMgAAVgcAAKr4//8BAAAAf39/AAEAAABkAAAAAAAAABQAAABAHwAAAAAAACYAAAAAAAAAwOD//wAAAAAmAAAAZAAAABYAAABMAAAAAAAAAAAAAAAEAAAAAAAAAAEAAADu7OEKAAAAACgAAAAoAAAAZAAAAGQAAAAAAAAAzMzMAAAAAABQAAAAUAAAAGQAAABkAAAAAAAAABcAAAAUAAAAAAAAAAAAAAD/fwAA/38AAAAAAAAJAAAABAAAAAAAAAAMAAAAEAAAAAAAAAAAAAAAAAAAAAAAAAAeAAAAaAAAAAAAAAAAAAAAAAAAAAAAAAAAAAAAECcAABAnAAAAAAAAAAAAAAAAAAAAAAAAAAAAAAAAAAAAAAAAAAAAABQAAAAAAAAAwMD/AAAAAABkAAAAMgAAAAAAAABkAAAAAAAAAH9/fwAKAAAAHwAAAFQAAAD///8A////AQAAAAAAAAAAAAAAAAAAAAAAAAAAAAAAAAAAAAAAAAAAAAAAAH9/fwDu7OEDzMzMAMDA/wB/f38AAAAAAAAAAAAAAAAAAAAAAAAAAAAhAAAAGAAAABQAAADqAQAA4DgAAPAKAACYOgAAEAAAACYAAAAIAAAAAAAAAAAAAAA="/>
               </a:ext>
             </a:extLst>
           </p:cNvSpPr>
@@ -4875,12 +4845,7 @@
             <p:ph type="dt" sz="half" idx="2"/>
           </p:nvPr>
         </p:nvSpPr>
-        <p:spPr>
-          <a:xfrm>
-            <a:off x="311150" y="9245600"/>
-            <a:ext cx="1466850" cy="279400"/>
-          </a:xfrm>
-        </p:spPr>
+        <p:spPr/>
         <p:txBody>
           <a:bodyPr/>
           <a:lstStyle/>
@@ -4901,7 +4866,7 @@
             <a:spLocks noGrp="1" noChangeArrowheads="1"/>
             <a:extLst>
               <a:ext uri="smNativeData">
-                <pr:smNativeData xmlns="" xmlns:p14="http://schemas.microsoft.com/office/powerpoint/2010/main" xmlns:pr="smNativeData" val="SMDATA_13_ec9PYBMAAAAlAAAAZAAAAA0AAAAAAAAAAAAAAAAAAAAAAAAAAAAAAAAAAAAAAAAAAAEAAABQAAAAAAAAAAAA4D8AAAAAAADgPwAAAAAAAOA/AAAAAAAA4D8AAAAAAADgPwAAAAAAAOA/AAAAAAAA4D8AAAAAAADgPwAAAAAAAOA/AAAAAAAA4D8CAAAAjAAAAAAAAAAAAAAAT4G9DP///wgAAAAAAAAAAAAAAAAAAAAAAAAAAAAAAAAAAAAAZAAAAAEAAABAAAAAAAAAAAAAAAAAAAAAAAAAAAAAAAAAAAAAAAAAAAAAAAAAAAAAAAAAAAAAAAAAAAAAAAAAAAAAAAAAAAAAAAAAAAAAAAAAAAAAAAAAAAAAAAAAAAAAFAAAADwAAAAAAAAAAAAAAAAAAAkUAAAAAQAAABQAAAAUAAAAFAAAAAEAAAAAAAAAZAAAAGQAAAAAAAAAZAAAAGQAAAAVAAAAYAAAAAAAAAAAAAAADwAAACADAAAAAAAAAAAAAAEAAACgMgAAVgcAAKr4//8BAAAAf39/AAEAAABkAAAAAAAAABQAAABAHwAAAAAAACYAAAAAAAAAwOD//wAAAAAmAAAAZAAAABYAAABMAAAAAAAAAAAAAAAEAAAAAAAAAAEAAADu7OEKAAAAACgAAAAoAAAAZAAAAGQAAAAAAAAAzMzMAAAAAABQAAAAUAAAAGQAAABkAAAAAAAAABcAAAAUAAAAAAAAAAAAAAD/fwAA/38AAAAAAAAJAAAABAAAAEgDAAAMAAAAEAAAAAAAAAAAAAAAAAAAAAAAAAAeAAAAaAAAAAAAAAAAAAAAAAAAAAAAAAAAAAAAECcAABAnAAAAAAAAAAAAAAAAAAAAAAAAAAAAAAAAAAAAAAAAAAAAABQAAAAAAAAAwMD/AAAAAABkAAAAMgAAAAAAAABkAAAAAAAAAH9/fwAKAAAAHwAAAFQAAABPgb0F////AQAAAAAAAAAAAAAAAAAAAAAAAAAAAAAAAAAAAAAAAAAAAAAAAn9/fwDu7OEDzMzMAMDA/wB/f38AAAAAAAAAAAAAAAAAAAAAAAAAAAAhAAAAGAAAABQAAADQSAAAGDkAABZOAACYOgAAEAAAACYAAAAIAAAAAAAAAAAAAAA="/>
+                <pr:smNativeData xmlns:pr="smNativeData" val="SMDATA_13_eIVQYBMAAAAlAAAAZAAAAA0AAAAAAAAAAAAAAAAAAAAAAAAAAAAAAAAAAAAAAAAAAAEAAABQAAAAAAAAAAAA4D8AAAAAAADgPwAAAAAAAOA/AAAAAAAA4D8AAAAAAADgPwAAAAAAAOA/AAAAAAAA4D8AAAAAAADgPwAAAAAAAOA/AAAAAAAA4D8CAAAAjAAAAAAAAAAAAAAA////AP///wgAAAAAAAAAAAAAAAAAAAAAAAAAAAAAAAAAAAAAeAAAAAEAAABAAAAAAAAAAAAAAABaAAAAAAAAAAAAAAAAAAAAAAAAAAAAAAAAAAAAAAAAAAAAAAAAAAAAAAAAAAAAAAAAAAAAAAAAAAAAAAAAAAAAAAAAAAAAAAAAAAAAFAAAADwAAAAAAAAAAAAAAAAAAAAPAAAAAQAAACMAAAAjAAAAIwAAAB4AAAAAAAAAZAAAAGQAAAAAAAAAZAAAAGQAAAAVAAAAYAAAAAAAAAAAAAAADwAAACADAAAAAAAAAAAAAAEAAACgMgAAVgcAAKr4//8BAAAAf39/AAEAAABkAAAAAAAAABQAAABAHwAAAAAAACYAAAAAAAAAwOD//wAAAAAmAAAAZAAAABYAAABMAAAAAAAAAAAAAAAEAAAAAAAAAAEAAADu7OEKAAAAACgAAAAoAAAAZAAAAGQAAAAAAAAAzMzMAAAAAABQAAAAUAAAAGQAAABkAAAAAAAAABcAAAAUAAAAAAAAAAAAAAD/fwAA/38AAAAAAAAJAAAABAAAAAAAAAAMAAAAEAAAAAAAAAAAAAAAAAAAAAAAAAAeAAAAaAAAAAAAAAAAAAAAAAAAAAAAAAAAAAAAECcAABAnAAAAAAAAAAAAAAAAAAAAAAAAAAAAAAAAAAAAAAAAAAAAABQAAAAAAAAAwMD/AAAAAABkAAAAMgAAAAAAAABkAAAAAAAAAH9/fwAKAAAAHwAAAFQAAAD///8A////AQAAAAAAAAAAAAAAAAAAAAAAAAAAAAAAAAAAAAAAAAAAAAAAAH9/fwDu7OEDzMzMAMDA/wB/f38AAAAAAAAAAAAAAAAAAAAAAAAAAAAhAAAAGAAAABQAAADQSAAAGDkAABZOAACYOgAAEAAAACYAAAAIAAAAAAAAAAAAAAA="/>
               </a:ext>
             </a:extLst>
           </p:cNvSpPr>
@@ -4917,28 +4882,29 @@
             <a:pPr>
               <a:defRPr lang="de-de"/>
             </a:pPr>
-            <a:fld id="{470D4CB7-F9AA-58BA-E4B5-0FEF02FB125A}" type="slidenum">
+            <a:fld id="{4D234438-76A0-76B2-EE9B-80E70AD518D5}" type="slidenum">
               <a:t>10</a:t>
             </a:fld>
-            <a:endParaRPr/>
           </a:p>
         </p:txBody>
       </p:sp>
     </p:spTree>
-    <p:extLst>
-      <p:ext uri="{BB962C8B-B14F-4D97-AF65-F5344CB8AC3E}">
-        <p14:creationId xmlns:p14="http://schemas.microsoft.com/office/powerpoint/2010/main" val="2217665574"/>
-      </p:ext>
-    </p:extLst>
   </p:cSld>
   <p:clrMapOvr>
     <a:masterClrMapping/>
   </p:clrMapOvr>
+  <p:timing>
+    <p:tnLst>
+      <p:par>
+        <p:cTn id="1" dur="indefinite" restart="never" nodeType="tmRoot"/>
+      </p:par>
+    </p:tnLst>
+  </p:timing>
 </p:sld>
 </file>
 
 <file path=ppt/slides/slide11.xml><?xml version="1.0" encoding="utf-8"?>
-<p:sld xmlns:a="http://schemas.openxmlformats.org/drawingml/2006/main" xmlns:r="http://schemas.openxmlformats.org/officeDocument/2006/relationships" xmlns:p="http://schemas.openxmlformats.org/presentationml/2006/main">
+<p:sld xmlns:p="http://schemas.openxmlformats.org/presentationml/2006/main" xmlns:p14="http://schemas.microsoft.com/office/powerpoint/2010/main" xmlns:r="http://schemas.openxmlformats.org/officeDocument/2006/relationships" xmlns:a="http://schemas.openxmlformats.org/drawingml/2006/main">
   <p:cSld>
     <p:spTree>
       <p:nvGrpSpPr>
@@ -4961,7 +4927,7 @@
             <a:spLocks noGrp="1" noChangeArrowheads="1"/>
             <a:extLst>
               <a:ext uri="smNativeData">
-                <pr:smNativeData xmlns:pr="smNativeData" xmlns:p14="http://schemas.microsoft.com/office/powerpoint/2010/main" xmlns="" val="SMDATA_13_ec9PYBMAAAAlAAAAZAAAAE0AAAAAAAAAAAAAAAAAAAAAAAAAAAAAAAAAAAAAAAAAAAEAAABQAAAAAAAAAAAA4D8AAAAAAADgPwAAAAAAAOA/AAAAAAAA4D8AAAAAAADgPwAAAAAAAOA/AAAAAAAA4D8AAAAAAADgPwAAAAAAAOA/AAAAAAAA4D8CAAAAjAAAAAAAAAAAAAAAT4G9DP///wgAAAAAAAAAAAAAAAAAAAAAAAAAAAAAAAAAAAAAZAAAAAEAAABAAAAAAAAAAAAAAAAAAAAAAAAAAAAAAAAAAAAAAAAAAAAAAAAAAAAAAAAAAAAAAAAAAAAAAAAAAAAAAAAAAAAAAAAAAAAAAAAAAAAAAAAAAAAAAAAAAAAAFAAAADwAAAAAAAAAAAAAAAAAAAkUAAAAAQAAABQAAAAUAAAAFAAAAAEAAAAAAAAAZAAAAGQAAAAAAAAAZAAAAGQAAAAVAAAAYAAAAAAAAAAAAAAADwAAACADAAAAAAAAAAAAAAEAAACgMgAAVgcAAKr4//8BAAAAf39/AAEAAABkAAAAAAAAABQAAABAHwAAAAAAACYAAAAAAAAAwOD//wAAAAAmAAAAZAAAABYAAABMAAAAAAAAAAAAAAAEAAAAAAAAAAEAAADu7OEKAAAAACgAAAAoAAAAZAAAAGQAAAAAAAAAzMzMAAAAAABQAAAAUAAAAGQAAABkAAAAAAAAABcAAAAUAAAAAAAAAAAAAAD/fwAA/38AAAAAAAAJAAAABAAAAAAAAAAMAAAAEAAAAAAAAAAAAAAAAAAAAAAAAAAeAAAAaAAAAAAAAAAAAAAAAAAAAAAAAAAAAAAAECcAABAnAAAAAAAAAAAAAAAAAAAAAAAAAAAAAAAAAAAAAAAAAAAAABQAAAAAAAAAwMD/AAAAAABkAAAAMgAAAAAAAABkAAAAAAAAAH9/fwAKAAAAHwAAAFQAAABPgb0F////AQAAAAAAAAAAAAAAAAAAAAAAAAAAAAAAAAAAAAAAAAAAAAAAAn9/fwDu7OEDzMzMAMDA/wB/f38AAAAAAAAAAAAAAAAAAAAAAAAAAAAhAAAAGAAAABQAAADIBQAAiQsAAHpIAACpDwAAACAAACYAAAAIAAAAAQAAAAAAAAA="/>
+                <pr:smNativeData xmlns:pr="smNativeData" val="SMDATA_13_eIVQYBMAAAAlAAAAZAAAAA0AAAAAAAAAAAAAAAAAAAAAAAAAAAAAAAAAAAAAAAAAAAEAAABQAAAAAAAAAAAA4D8AAAAAAADgPwAAAAAAAOA/AAAAAAAA4D8AAAAAAADgPwAAAAAAAOA/AAAAAAAA4D8AAAAAAADgPwAAAAAAAOA/AAAAAAAA4D8CAAAAjAAAAAAAAAAAAAAA////AP///wgAAAAAAAAAAAAAAAAAAAAAAAAAAAAAAAAAAAAAeAAAAAEAAABAAAAAAAAAAAAAAABaAAAAAAAAAAAAAAAAAAAAAAAAAAAAAAAAAAAAAAAAAAAAAAAAAAAAAAAAAAAAAAAAAAAAAAAAAAAAAAAAAAAAAAAAAAAAAAAAAAAAFAAAADwAAAAAAAAAAAAAAAAAAAAPAAAAAQAAACMAAAAjAAAAIwAAAB4AAAAAAAAAZAAAAGQAAAAAAAAAZAAAAGQAAAAVAAAAYAAAAAAAAAAAAAAADwAAACADAAAAAAAAAAAAAAEAAACgMgAAVgcAAKr4//8BAAAAf39/AAEAAABkAAAAAAAAABQAAABAHwAAAAAAACYAAAAAAAAAwOD//wAAAAAmAAAAZAAAABYAAABMAAAAAAAAAAAAAAAEAAAAAAAAAAEAAADu7OEKAAAAACgAAAAoAAAAZAAAAGQAAAAAAAAAzMzMAAAAAABQAAAAUAAAAGQAAABkAAAAAAAAABcAAAAUAAAAAAAAAAAAAAD/fwAA/38AAAAAAAAJAAAABAAAAAAAAAAMAAAAEAAAAAAAAAAAAAAAAAAAAAAAAAAeAAAAaAAAAAAAAAAAAAAAAAAAAAAAAAAAAAAAECcAABAnAAAAAAAAAAAAAAAAAAAAAAAAAAAAAAAAAAAAAAAAAAAAABQAAAAAAAAAwMD/AAAAAABkAAAAMgAAAAAAAABkAAAAAAAAAH9/fwAKAAAAHwAAAFQAAAD///8A////AQAAAAAAAAAAAAAAAAAAAAAAAAAAAAAAAAAAAAAAAAAAAAAAAH9/fwDu7OEDzMzMAMDA/wB/f38AAAAAAAAAAAAAAAAAAAAAAAAAAAAhAAAAGAAAABQAAADIBQAAiQsAAHpIAACpDwAAEAAAACYAAAAIAAAAAQAAAAAAAAA="/>
               </a:ext>
             </a:extLst>
           </p:cNvSpPr>
@@ -4983,16 +4949,7 @@
               <a:defRPr lang="en-gb"/>
             </a:pPr>
             <a:r>
-              <a:rPr dirty="0"/>
-              <a:t>Approach </a:t>
-            </a:r>
-            <a:r>
-              <a:rPr lang="en-GB" dirty="0"/>
-              <a:t>–</a:t>
-            </a:r>
-            <a:r>
-              <a:rPr dirty="0"/>
-              <a:t> Supported feedback types</a:t>
+              <a:t>Approach – Supported feedback types</a:t>
             </a:r>
           </a:p>
         </p:txBody>
@@ -5004,7 +4961,7 @@
             <a:spLocks noGrp="1" noChangeArrowheads="1"/>
             <a:extLst>
               <a:ext uri="smNativeData">
-                <pr:smNativeData xmlns:pr="smNativeData" xmlns:p14="http://schemas.microsoft.com/office/powerpoint/2010/main" xmlns="" val="SMDATA_13_ec9PYBMAAAAlAAAAZAAAAE0AAAAAAAAAAAAAAAAAAAAAAAAAAAAAAAAAAAAAAAAAAAEAAABQAAAAAAAAAAAA4D8AAAAAAADgPwAAAAAAAOA/AAAAAAAA4D8AAAAAAADgPwAAAAAAAOA/AAAAAAAA4D8AAAAAAADgPwAAAAAAAOA/AAAAAAAA4D8CAAAAjAAAAAAAAAAAAAAAT4G9DP///wgAAAAAAAAAAAAAAAAAAAAAAAAAAAAAAAAAAAAAZAAAAAEAAABAAAAAAAAAAAAAAAAAAAAAAAAAAAAAAAAAAAAAAAAAAAAAAAAAAAAAAAAAAAAAAAAAAAAAAAAAAAAAAAAAAAAAAAAAAAAAAAAAAAAAAAAAAAAAAAAAAAAAFAAAADwAAAAAAAAAAAAAAAAAAAkUAAAAAQAAABQAAAAUAAAAFAAAAAEAAAAAAAAAZAAAAGQAAAAAAAAAZAAAAGQAAAAVAAAAYAAAAAAAAAAAAAAADwAAACADAAAAAAAAAAAAAAEAAACgMgAAVgcAAKr4//8BAAAAf39/AAEAAABkAAAAAAAAABQAAABAHwAAAAAAACYAAAAAAAAAwOD//wAAAAAmAAAAZAAAABYAAABMAAAAAAAAAAAAAAAEAAAAAAAAAAEAAADu7OEKAAAAACgAAAAoAAAAZAAAAGQAAAAAAAAAzMzMAAAAAABQAAAAUAAAAGQAAABkAAAAAAAAABcAAAAUAAAAAAAAAAAAAAD/fwAA/38AAAAAAAAJAAAABAAAAL4FAAAMAAAAEAAAAAAAAAAAAAAAAAAAAAAAAAAeAAAAaAAAAAAAAAAAAAAAAAAAAAAAAAAAAAAAECcAABAnAAAAAAAAAAAAAAAAAAAAAAAAAAAAAAAAAAAAAAAAAAAAABQAAAAAAAAAwMD/AAAAAABkAAAAMgAAAAAAAABkAAAAAAAAAH9/fwAKAAAAHwAAAFQAAABPgb0F////AQAAAAAAAAAAAAAAAAAAAAAAAAAAAAAAAAAAAAAAAAAAAAAAAn9/fwDu7OEDzMzMAMDA/wB/f38AAAAAAAAAAAAAAAAAAAAAAAAAAAAhAAAAGAAAABQAAADIBQAAwBIAAHpIAACQGwAAACAAACYAAAAIAAAAAYAAAAAAAAA="/>
+                <pr:smNativeData xmlns:pr="smNativeData" val="SMDATA_13_eIVQYBMAAAAlAAAAZAAAAA0AAAAAAAAAAAAAAAAAAAAAAAAAAAAAAAAAAAAAAAAAAAEAAABQAAAAAAAAAAAA4D8AAAAAAADgPwAAAAAAAOA/AAAAAAAA4D8AAAAAAADgPwAAAAAAAOA/AAAAAAAA4D8AAAAAAADgPwAAAAAAAOA/AAAAAAAA4D8CAAAAjAAAAAAAAAAAAAAA////AP///wgAAAAAAAAAAAAAAAAAAAAAAAAAAAAAAAAAAAAAeAAAAAEAAABAAAAAAAAAAAAAAABaAAAAAAAAAAAAAAAAAAAAAAAAAAAAAAAAAAAAAAAAAAAAAAAAAAAAAAAAAAAAAAAAAAAAAAAAAAAAAAAAAAAAAAAAAAAAAAAAAAAAFAAAADwAAAAAAAAAAAAAAAAAAAAPAAAAAQAAACMAAAAjAAAAIwAAAB4AAAAAAAAAZAAAAGQAAAAAAAAAZAAAAGQAAAAVAAAAYAAAAAAAAAAAAAAADwAAACADAAAAAAAAAAAAAAEAAACgMgAAVgcAAKr4//8BAAAAf39/AAEAAABkAAAAAAAAABQAAABAHwAAAAAAACYAAAAAAAAAwOD//wAAAAAmAAAAZAAAABYAAABMAAAAAAAAAAAAAAAEAAAAAAAAAAEAAADu7OEKAAAAACgAAAAoAAAAZAAAAGQAAAAAAAAAzMzMAAAAAABQAAAAUAAAAGQAAABkAAAAAAAAABcAAAAUAAAAAAAAAAAAAAD/fwAA/38AAAAAAAAJAAAABAAAAAAAAAAMAAAAEAAAAAAAAAAAAAAAAAAAAAAAAAAeAAAAaAAAAAAAAAAAAAAAAAAAAAAAAAAAAAAAECcAABAnAAAAAAAAAAAAAAAAAAAAAAAAAAAAAAAAAAAAAAAAAAAAABQAAAAAAAAAwMD/AAAAAABkAAAAMgAAAAAAAABkAAAAAAAAAH9/fwAKAAAAHwAAAFQAAAD///8A////AQAAAAAAAAAAAAAAAAAAAAAAAAAAAAAAAAAAAAAAAAAAAAAAAH9/fwDu7OEDzMzMAMDA/wB/f38AAAAAAAAAAAAAAAAAAAAAAAAAAAAhAAAAGAAAABQAAADIBQAAwBIAAHpIAADoLQAAEAAAACYAAAAIAAAAAYAAAAAAAAA="/>
               </a:ext>
             </a:extLst>
           </p:cNvSpPr>
@@ -5015,7 +4972,7 @@
         <p:spPr>
           <a:xfrm>
             <a:off x="939800" y="3048000"/>
-            <a:ext cx="10841990" cy="1432560"/>
+            <a:ext cx="10841990" cy="4414520"/>
           </a:xfrm>
         </p:spPr>
         <p:txBody>
@@ -5032,7 +4989,7 @@
                 <a:schemeClr val="accent1"/>
               </a:buClr>
               <a:buSzPts val="2910"/>
-              <a:buFont typeface="Wingdings" charset="0"/>
+              <a:buFont typeface="Wingdings" pitchFamily="0" charset="0"/>
               <a:buChar char="§"/>
               <a:tabLst/>
               <a:defRPr lang="de-de" sz="2800" b="0" i="0" baseline="0">
@@ -5063,7 +5020,7 @@
               <a:lnSpc>
                 <a:spcPct val="150000"/>
               </a:lnSpc>
-              <a:buFont typeface="Wingdings" charset="0"/>
+              <a:buFont typeface="Wingdings" pitchFamily="0" charset="0"/>
               <a:buChar char="§"/>
               <a:defRPr lang="de-de" sz="2000" b="0" i="0" baseline="0">
                 <a:solidFill>
@@ -5095,69 +5052,63 @@
           </a:lstStyle>
           <a:p>
             <a:pPr>
-              <a:defRPr lang="de-de" b="0"/>
-            </a:pPr>
-            <a:r>
-              <a:rPr dirty="0"/>
+              <a:defRPr lang="de-de"/>
+            </a:pPr>
+            <a:r>
               <a:t>Visual feedbacks</a:t>
             </a:r>
           </a:p>
           <a:p>
             <a:pPr lvl="1">
-              <a:defRPr lang="de-de" b="0"/>
-            </a:pPr>
-            <a:r>
-              <a:rPr lang="de-DE" dirty="0"/>
+              <a:defRPr lang="de-de"/>
+            </a:pPr>
+            <a:r>
               <a:t>Ring feedback</a:t>
             </a:r>
           </a:p>
           <a:p>
             <a:pPr lvl="1">
-              <a:defRPr lang="de-de" b="0"/>
-            </a:pPr>
-            <a:r>
-              <a:rPr dirty="0"/>
+              <a:defRPr lang="de-de"/>
+            </a:pPr>
+            <a:r>
               <a:t>Icon feedback</a:t>
             </a:r>
           </a:p>
           <a:p>
             <a:pPr lvl="1">
-              <a:defRPr lang="de-de" b="0"/>
-            </a:pPr>
-            <a:r>
-              <a:rPr lang="de-DE" dirty="0"/>
+              <a:defRPr lang="de-de"/>
+            </a:pPr>
+            <a:r>
               <a:t>Notification feedback</a:t>
             </a:r>
-            <a:endParaRPr dirty="0"/>
-          </a:p>
-          <a:p>
-            <a:pPr>
-              <a:defRPr lang="de-de" b="0"/>
-            </a:pPr>
-            <a:r>
-              <a:rPr lang="de-DE" dirty="0"/>
+          </a:p>
+          <a:p>
+            <a:pPr>
+              <a:defRPr lang="de-de"/>
+            </a:pPr>
+            <a:r>
               <a:t>Other feedbacks</a:t>
             </a:r>
-            <a:endParaRPr dirty="0"/>
           </a:p>
           <a:p>
             <a:pPr lvl="1">
               <a:defRPr lang="de-de"/>
             </a:pPr>
             <a:r>
-              <a:rPr lang="en-gb" dirty="0"/>
+              <a:rPr lang="en-gb"/>
               <a:t>Vibration</a:t>
             </a:r>
+            <a:endParaRPr lang="en-gb"/>
           </a:p>
           <a:p>
             <a:pPr lvl="1">
               <a:defRPr lang="de-de"/>
             </a:pPr>
             <a:r>
-              <a:rPr lang="en-GB" dirty="0"/>
+              <a:rPr lang="en-gb"/>
               <a:t>Sound</a:t>
             </a:r>
-            <a:endParaRPr lang="en-gb" dirty="0"/>
+            <a:endParaRPr lang="en-gb"/>
           </a:p>
         </p:txBody>
       </p:sp>
@@ -5168,7 +5119,7 @@
             <a:spLocks noGrp="1" noChangeArrowheads="1"/>
             <a:extLst>
               <a:ext uri="smNativeData">
-                <pr:smNativeData xmlns:pr="smNativeData" xmlns:p14="http://schemas.microsoft.com/office/powerpoint/2010/main" xmlns="" val="SMDATA_13_ec9PYBMAAAAlAAAAZAAAAA0AAAAAAAAAAAAAAAAAAAAAAAAAAAAAAAAAAAAAAAAAAAEAAABQAAAAAAAAAAAA4D8AAAAAAADgPwAAAAAAAOA/AAAAAAAA4D8AAAAAAADgPwAAAAAAAOA/AAAAAAAA4D8AAAAAAADgPwAAAAAAAOA/AAAAAAAA4D8CAAAAjAAAAAAAAAAAAAAAT4G9DP///wgAAAAAAAAAAAAAAAAAAAAAAAAAAAAAAAAAAAAAZAAAAAEAAABAAAAAAAAAAAAAAAAAAAAAAAAAAAAAAAAAAAAAAAAAAAAAAAAAAAAAAAAAAAAAAAAAAAAAAAAAAAAAAAAAAAAAAAAAAAAAAAAAAAAAAAAAAAAAAAAAAAAAFAAAADwAAAAAAAAAAAAAAAAAAAkUAAAAAQAAABQAAAAUAAAAFAAAAAEAAAAAAAAAZAAAAGQAAAAAAAAAZAAAAGQAAAAVAAAAYAAAAAAAAAAAAAAADwAAACADAAAAAAAAAAAAAAEAAACgMgAAVgcAAKr4//8BAAAAf39/AAEAAABkAAAAAAAAABQAAABAHwAAAAAAACYAAAAAAAAAwOD//wAAAAAmAAAAZAAAABYAAABMAAAAAAAAAAAAAAAEAAAAAAAAAAEAAADu7OEKAAAAACgAAAAoAAAAZAAAAGQAAAAAAAAAzMzMAAAAAABQAAAAUAAAAGQAAABkAAAAAAAAABcAAAAUAAAAAAAAAAAAAAD/fwAA/38AAAAAAAAJAAAABAAAAGwAAAAMAAAAEAAAAAAAAAAAAAAAAAAAAAAAAAAeAAAAaAAAAAAAAAAAAAAAAAAAAAAAAAAAAAAAECcAABAnAAAAAAAAAAAAAAAAAAAAAAAAAAAAAAAAAAAAAAAAAAAAABQAAAAAAAAAwMD/AAAAAABkAAAAMgAAAAAAAABkAAAAAAAAAH9/fwAKAAAAHwAAAFQAAABPgb0F////AQAAAAAAAAAAAAAAAAAAAAAAAAAAAAAAAAAAAAAAAAAAAAAAAn9/fwDu7OEDzMzMAMDA/wB/f38AAAAAAAAAAAAAAAAAAAAAAAAAAAAhAAAAGAAAABQAAADqAQAA4DgAAPAKAACYOgAAEAAAACYAAAAIAAAAAQAAAAAAAAA="/>
+                <pr:smNativeData xmlns:pr="smNativeData" val="SMDATA_13_eIVQYBMAAAAlAAAAZAAAAA0AAAAAAAAAAAAAAAAAAAAAAAAAAAAAAAAAAAAAAAAAAAEAAABQAAAAAAAAAAAA4D8AAAAAAADgPwAAAAAAAOA/AAAAAAAA4D8AAAAAAADgPwAAAAAAAOA/AAAAAAAA4D8AAAAAAADgPwAAAAAAAOA/AAAAAAAA4D8CAAAAjAAAAAAAAAAAAAAA////AP///wgAAAAAAAAAAAAAAAAAAAAAAAAAAAAAAAAAAAAAeAAAAAEAAABAAAAAAAAAAAAAAABaAAAAAAAAAAAAAAAAAAAAAAAAAAAAAAAAAAAAAAAAAAAAAAAAAAAAAAAAAAAAAAAAAAAAAAAAAAAAAAAAAAAAAAAAAAAAAAAAAAAAFAAAADwAAAAAAAAAAAAAAAAAAAAPAAAAAQAAACMAAAAjAAAAIwAAAB4AAAAAAAAAZAAAAGQAAAAAAAAAZAAAAGQAAAAVAAAAYAAAAAAAAAAAAAAADwAAACADAAAAAAAAAAAAAAEAAACgMgAAVgcAAKr4//8BAAAAf39/AAEAAABkAAAAAAAAABQAAABAHwAAAAAAACYAAAAAAAAAwOD//wAAAAAmAAAAZAAAABYAAABMAAAAAAAAAAAAAAAEAAAAAAAAAAEAAADu7OEKAAAAACgAAAAoAAAAZAAAAGQAAAAAAAAAzMzMAAAAAABQAAAAUAAAAGQAAABkAAAAAAAAABcAAAAUAAAAAAAAAAAAAAD/fwAA/38AAAAAAAAJAAAABAAAAAAAAAAMAAAAEAAAAAAAAAAAAAAAAAAAAAAAAAAeAAAAaAAAAAAAAAAAAAAAAAAAAAAAAAAAAAAAECcAABAnAAAAAAAAAAAAAAAAAAAAAAAAAAAAAAAAAAAAAAAAAAAAABQAAAAAAAAAwMD/AAAAAABkAAAAMgAAAAAAAABkAAAAAAAAAH9/fwAKAAAAHwAAAFQAAAD///8A////AQAAAAAAAAAAAAAAAAAAAAAAAAAAAAAAAAAAAAAAAAAAAAAAAH9/fwDu7OEDzMzMAMDA/wB/f38AAAAAAAAAAAAAAAAAAAAAAAAAAAAhAAAAGAAAABQAAADqAQAA4DgAAPAKAACYOgAAEAAAACYAAAAIAAAAAAAAAAAAAAA="/>
               </a:ext>
             </a:extLst>
           </p:cNvSpPr>
@@ -5176,12 +5127,7 @@
             <p:ph type="dt" sz="half" idx="2"/>
           </p:nvPr>
         </p:nvSpPr>
-        <p:spPr>
-          <a:xfrm>
-            <a:off x="311150" y="9245600"/>
-            <a:ext cx="1466850" cy="279400"/>
-          </a:xfrm>
-        </p:spPr>
+        <p:spPr/>
         <p:txBody>
           <a:bodyPr/>
           <a:lstStyle/>
@@ -5202,7 +5148,7 @@
             <a:spLocks noGrp="1" noChangeArrowheads="1"/>
             <a:extLst>
               <a:ext uri="smNativeData">
-                <pr:smNativeData xmlns:pr="smNativeData" xmlns:p14="http://schemas.microsoft.com/office/powerpoint/2010/main" xmlns="" val="SMDATA_13_ec9PYBMAAAAlAAAAZAAAAA0AAAAAAAAAAAAAAAAAAAAAAAAAAAAAAAAAAAAAAAAAAAEAAABQAAAAAAAAAAAA4D8AAAAAAADgPwAAAAAAAOA/AAAAAAAA4D8AAAAAAADgPwAAAAAAAOA/AAAAAAAA4D8AAAAAAADgPwAAAAAAAOA/AAAAAAAA4D8CAAAAjAAAAAAAAAAAAAAAT4G9DP///wgAAAAAAAAAAAAAAAAAAAAAAAAAAAAAAAAAAAAAZAAAAAEAAABAAAAAAAAAAAAAAAAAAAAAAAAAAAAAAAAAAAAAAAAAAAAAAAAAAAAAAAAAAAAAAAAAAAAAAAAAAAAAAAAAAAAAAAAAAAAAAAAAAAAAAAAAAAAAAAAAAAAAFAAAADwAAAAAAAAAAAAAAAAAAAkUAAAAAQAAABQAAAAUAAAAFAAAAAEAAAAAAAAAZAAAAGQAAAAAAAAAZAAAAGQAAAAVAAAAYAAAAAAAAAAAAAAADwAAACADAAAAAAAAAAAAAAEAAACgMgAAVgcAAKr4//8BAAAAf39/AAEAAABkAAAAAAAAABQAAABAHwAAAAAAACYAAAAAAAAAwOD//wAAAAAmAAAAZAAAABYAAABMAAAAAAAAAAAAAAAEAAAAAAAAAAEAAADu7OEKAAAAACgAAAAoAAAAZAAAAGQAAAAAAAAAzMzMAAAAAABQAAAAUAAAAGQAAABkAAAAAAAAABcAAAAUAAAAAAAAAAAAAAD/fwAA/38AAAAAAAAJAAAABAAAAEgDAAAMAAAAEAAAAAAAAAAAAAAAAAAAAAAAAAAeAAAAaAAAAAAAAAAAAAAAAAAAAAAAAAAAAAAAECcAABAnAAAAAAAAAAAAAAAAAAAAAAAAAAAAAAAAAAAAAAAAAAAAABQAAAAAAAAAwMD/AAAAAABkAAAAMgAAAAAAAABkAAAAAAAAAH9/fwAKAAAAHwAAAFQAAABPgb0F////AQAAAAAAAAAAAAAAAAAAAAAAAAAAAAAAAAAAAAAAAAAAAAAAAn9/fwDu7OEDzMzMAMDA/wB/f38AAAAAAAAAAAAAAAAAAAAAAAAAAAAhAAAAGAAAABQAAADQSAAAGDkAABZOAACYOgAAEAAAACYAAAAIAAAAAAAAAAAAAAA="/>
+                <pr:smNativeData xmlns:pr="smNativeData" val="SMDATA_13_eIVQYBMAAAAlAAAAZAAAAA0AAAAAAAAAAAAAAAAAAAAAAAAAAAAAAAAAAAAAAAAAAAEAAABQAAAAAAAAAAAA4D8AAAAAAADgPwAAAAAAAOA/AAAAAAAA4D8AAAAAAADgPwAAAAAAAOA/AAAAAAAA4D8AAAAAAADgPwAAAAAAAOA/AAAAAAAA4D8CAAAAjAAAAAAAAAAAAAAA////AP///wgAAAAAAAAAAAAAAAAAAAAAAAAAAAAAAAAAAAAAeAAAAAEAAABAAAAAAAAAAAAAAABaAAAAAAAAAAAAAAAAAAAAAAAAAAAAAAAAAAAAAAAAAAAAAAAAAAAAAAAAAAAAAAAAAAAAAAAAAAAAAAAAAAAAAAAAAAAAAAAAAAAAFAAAADwAAAAAAAAAAAAAAAAAAAAPAAAAAQAAACMAAAAjAAAAIwAAAB4AAAAAAAAAZAAAAGQAAAAAAAAAZAAAAGQAAAAVAAAAYAAAAAAAAAAAAAAADwAAACADAAAAAAAAAAAAAAEAAACgMgAAVgcAAKr4//8BAAAAf39/AAEAAABkAAAAAAAAABQAAABAHwAAAAAAACYAAAAAAAAAwOD//wAAAAAmAAAAZAAAABYAAABMAAAAAAAAAAAAAAAEAAAAAAAAAAEAAADu7OEKAAAAACgAAAAoAAAAZAAAAGQAAAAAAAAAzMzMAAAAAABQAAAAUAAAAGQAAABkAAAAAAAAABcAAAAUAAAAAAAAAAAAAAD/fwAA/38AAAAAAAAJAAAABAAAAPw8XMEMAAAAEAAAAAAAAAAAAAAAAAAAAAAAAAAeAAAAaAAAAAAAAAAAAAAAAAAAAAAAAAAAAAAAECcAABAnAAAAAAAAAAAAAAAAAAAAAAAAAAAAAAAAAAAAAAAAAAAAABQAAAAAAAAAwMD/AAAAAABkAAAAMgAAAAAAAABkAAAAAAAAAH9/fwAKAAAAHwAAAFQAAAD///8A////AQAAAAAAAAAAAAAAAAAAAAAAAAAAAAAAAAAAAAAAAAAAAAAAAH9/fwDu7OEDzMzMAMDA/wB/f38AAAAAAAAAAAAAAAAAAAAAAAAAAAAhAAAAGAAAABQAAADQSAAAGDkAABZOAACYOgAAEAAAACYAAAAIAAAAAAAAAAAAAAA="/>
               </a:ext>
             </a:extLst>
           </p:cNvSpPr>
@@ -5218,71 +5164,61 @@
             <a:pPr>
               <a:defRPr lang="de-de"/>
             </a:pPr>
-            <a:fld id="{470D4CB7-F9AA-58BA-E4B5-0FEF02FB125A}" type="slidenum">
+            <a:fld id="{2F32C17E-30C2-6737-8C8A-C6628FC47A93}" type="slidenum">
               <a:t>11</a:t>
             </a:fld>
-            <a:endParaRPr/>
           </a:p>
         </p:txBody>
       </p:sp>
       <p:pic>
         <p:nvPicPr>
-          <p:cNvPr id="7" name="Picture 6">
-            <a:extLst>
-              <a:ext uri="{FF2B5EF4-FFF2-40B4-BE49-F238E27FC236}">
-                <a16:creationId xmlns:a16="http://schemas.microsoft.com/office/drawing/2014/main" id="{F84E3D6F-29FA-4A67-812C-A1D4DB2D980D}"/>
-              </a:ext>
-            </a:extLst>
-          </p:cNvPr>
+          <p:cNvPr id="6" name="Picture 6"/>
           <p:cNvPicPr>
             <a:picLocks noChangeAspect="1"/>
+            <a:extLst>
+              <a:ext uri="smNativeData">
+                <pr:smNativeData xmlns:pr="smNativeData" val="SMDATA_15_eIVQYBMAAAAlAAAAEQAAAC0AAAAAkAAAAEgAAACQAAAASAAAAAAAAAAAAAAAAAAAAAEAAABQAAAAAAAAAAAA4D8AAAAAAADgPwAAAAAAAOA/AAAAAAAA4D8AAAAAAADgPwAAAAAAAOA/AAAAAAAA4D8AAAAAAADgPwAAAAAAAOA/AAAAAAAA4D8CAAAAjAAAAAAAAAAAAAAAT4G9DP///wgAAAAAAAAAAAAAAAAAAAAAAAAAAAAAAAAAAAAAZAAAAAEAAABAAAAAAAAAAAAAAAAAAAAAAAAAAAAAAAAAAAAAAAAAAAAAAAAAAAAAAAAAAAAAAAAAAAAAAAAAAAAAAAAAAAAAAAAAAAAAAAAAAAAAAAAAAAAAAAAAAAAAFAAAADwAAAAAAAAAAAAAAAAAAAkUAAAAAQAAABQAAAAUAAAAFAAAAAEAAAAAAAAAZAAAAGQAAAAAAAAAZAAAAGQAAAAVAAAAYAAAAAAAAAAAAAAADwAAACADAAAAAAAAAAAAAAEAAACgMgAAVgcAAKr4//8BAAAAf39/AAEAAABkAAAAAAAAABQAAABAHwAAAAAAACYAAAAAAAAAwOD//wAAAAAmAAAAZAAAABYAAABMAAAAAAAAAAAAAAAEAAAAAAAAAAEAAADu7OEKAAAAACgAAAAoAAAAZAAAAGQAAAAAAAAAzMzMAAAAAABQAAAAUAAAAGQAAABkAAAAAAAAAAcAAAA4AAAAAAAAAAAAAAAAAAAA////AAAAAAAAAAAAAAAAAAAAAAAAAAAAAAAAAAAAAABkAAAAZAAAAAAAAAAjAAAABAAAAGQAAAAXAAAAFAAAAAAAAAAAAAAA/38AAP9/AAAAAAAACQAAAAQAAABSID8/DAAAABAAAAAAAAAAAAAAAAAAAAAAAAAAHgAAAGgAAAAAAAAAAAAAAAAAAAAAAAAAAAAAABAnAAAQJwAAAAAAAAAAAAAAAAAAAAAAAAAAAAAAAAAAAAAAAAAAAAAUAAAAAAAAAMDA/wAAAAAAZAAAADIAAAAAAAAAZAAAAAAAAAB/f38ACgAAAB8AAABUAAAAT4G9Bf///wEAAAAAAAAAAAAAAAAAAAAAAAAAAAAAAAAAAAAAAAAAAAAAAAJ/f38A7uzhA8zMzADAwP8Af39/AAAAAAAAAAAAAAAAAP///wAAAAAAIQAAABgAAAAUAAAAEiQAADMRAABENwAAZSQAABAAAAAmAAAACAAAAP//////////"/>
+              </a:ext>
+            </a:extLst>
           </p:cNvPicPr>
           <p:nvPr/>
         </p:nvPicPr>
         <p:blipFill>
-          <a:blip r:embed="rId2">
-            <a:extLst>
-              <a:ext uri="{28A0092B-C50C-407E-A947-70E740481C1C}">
-                <a14:useLocalDpi xmlns:a14="http://schemas.microsoft.com/office/drawing/2010/main" val="0"/>
-              </a:ext>
-            </a:extLst>
-          </a:blip>
+          <a:blip r:embed="rId2"/>
           <a:stretch>
             <a:fillRect/>
           </a:stretch>
         </p:blipFill>
         <p:spPr>
           <a:xfrm>
-            <a:off x="5863443" y="2795905"/>
+            <a:off x="5863590" y="2795905"/>
             <a:ext cx="3120390" cy="3120390"/>
           </a:xfrm>
           <a:prstGeom prst="rect">
             <a:avLst/>
           </a:prstGeom>
+          <a:noFill/>
+          <a:ln>
+            <a:noFill/>
+          </a:ln>
+          <a:effectLst/>
         </p:spPr>
       </p:pic>
       <p:pic>
         <p:nvPicPr>
-          <p:cNvPr id="9" name="Picture 8">
-            <a:extLst>
-              <a:ext uri="{FF2B5EF4-FFF2-40B4-BE49-F238E27FC236}">
-                <a16:creationId xmlns:a16="http://schemas.microsoft.com/office/drawing/2014/main" id="{7F7FD020-5D5B-4CF4-969F-3CB86D787A73}"/>
-              </a:ext>
-            </a:extLst>
-          </p:cNvPr>
+          <p:cNvPr id="7" name="Picture 8"/>
           <p:cNvPicPr>
             <a:picLocks noChangeAspect="1"/>
+            <a:extLst>
+              <a:ext uri="smNativeData">
+                <pr:smNativeData xmlns:pr="smNativeData" val="SMDATA_15_eIVQYBMAAAAlAAAAEQAAAC0AAAAAkAAAAEgAAACQAAAASAAAAAAAAAAAAAAAAAAAAAEAAABQAAAAAAAAAAAA4D8AAAAAAADgPwAAAAAAAOA/AAAAAAAA4D8AAAAAAADgPwAAAAAAAOA/AAAAAAAA4D8AAAAAAADgPwAAAAAAAOA/AAAAAAAA4D8CAAAAjAAAAAAAAAAAAAAAT4G9DP///wgAAAAAAAAAAAAAAAAAAAAAAAAAAAAAAAAAAAAAZAAAAAEAAABAAAAAAAAAAAAAAAAAAAAAAAAAAAAAAAAAAAAAAAAAAAAAAAAAAAAAAAAAAAAAAAAAAAAAAAAAAAAAAAAAAAAAAAAAAAAAAAAAAAAAAAAAAAAAAAAAAAAAFAAAADwAAAAAAAAAAAAAAAAAAAkUAAAAAQAAABQAAAAUAAAAFAAAAAEAAAAAAAAAZAAAAGQAAAAAAAAAZAAAAGQAAAAVAAAAYAAAAAAAAAAAAAAADwAAACADAAAAAAAAAAAAAAEAAACgMgAAVgcAAKr4//8BAAAAf39/AAEAAABkAAAAAAAAABQAAABAHwAAAAAAACYAAAAAAAAAwOD//wAAAAAmAAAAZAAAABYAAABMAAAAAAAAAAAAAAAEAAAAAAAAAAEAAADu7OEKAAAAACgAAAAoAAAAZAAAAGQAAAAAAAAAzMzMAAAAAABQAAAAUAAAAGQAAABkAAAAAAAAAAcAAAA4AAAAAAAAAAAAAAAAAAAA////AAAAAAAAAAAAAAAAAAAAAAAAAAAAAAAAAAAAAABkAAAAZAAAAAAAAAAjAAAABAAAAGQAAAAXAAAAFAAAAAAAAAAAAAAA/38AAP9/AAAAAAAACQAAAAQAAAAAAAAADAAAABAAAAAAAAAAAAAAAAAAAAAAAAAAHgAAAGgAAAAAAAAAAAAAAAAAAAAAAAAAAAAAABAnAAAQJwAAAAAAAAAAAAAAAAAAAAAAAAAAAAAAAAAAAAAAAAAAAAAUAAAAAAAAAMDA/wAAAAAAZAAAADIAAAAAAAAAZAAAAAAAAAB/f38ACgAAAB8AAABUAAAAT4G9Bf///wEAAAAAAAAAAAAAAAAAAAAAAAAAAAAAAAAAAAAAAAAAAAAAAAJ/f38A7uzhA8zMzADAwP8Af39/AAAAAAAAAAAAAAAAAP///wAAAAAAIQAAABgAAAAUAAAAGToAADMRAABLTQAAZSQAABAAAAAmAAAACAAAAP//////////"/>
+              </a:ext>
+            </a:extLst>
           </p:cNvPicPr>
           <p:nvPr/>
         </p:nvPicPr>
         <p:blipFill>
-          <a:blip r:embed="rId3">
-            <a:extLst>
-              <a:ext uri="{28A0092B-C50C-407E-A947-70E740481C1C}">
-                <a14:useLocalDpi xmlns:a14="http://schemas.microsoft.com/office/drawing/2010/main" val="0"/>
-              </a:ext>
-            </a:extLst>
-          </a:blip>
+          <a:blip r:embed="rId3"/>
           <a:stretch>
             <a:fillRect/>
           </a:stretch>
@@ -5295,59 +5231,64 @@
           <a:prstGeom prst="rect">
             <a:avLst/>
           </a:prstGeom>
+          <a:noFill/>
+          <a:ln>
+            <a:noFill/>
+          </a:ln>
+          <a:effectLst/>
         </p:spPr>
       </p:pic>
       <p:pic>
         <p:nvPicPr>
-          <p:cNvPr id="11" name="Picture 10">
-            <a:extLst>
-              <a:ext uri="{FF2B5EF4-FFF2-40B4-BE49-F238E27FC236}">
-                <a16:creationId xmlns:a16="http://schemas.microsoft.com/office/drawing/2014/main" id="{A800B0FF-48FE-4653-8A8B-C093D779850F}"/>
-              </a:ext>
-            </a:extLst>
-          </p:cNvPr>
+          <p:cNvPr id="8" name="Picture 10"/>
           <p:cNvPicPr>
             <a:picLocks noChangeAspect="1"/>
+            <a:extLst>
+              <a:ext uri="smNativeData">
+                <pr:smNativeData xmlns:pr="smNativeData" val="SMDATA_15_eIVQYBMAAAAlAAAAEQAAAC0AAAAAkAAAAEgAAACQAAAASAAAAAAAAAAAAAAAAAAAAAEAAABQAAAAAAAAAAAA4D8AAAAAAADgPwAAAAAAAOA/AAAAAAAA4D8AAAAAAADgPwAAAAAAAOA/AAAAAAAA4D8AAAAAAADgPwAAAAAAAOA/AAAAAAAA4D8CAAAAjAAAAAAAAAAAAAAAT4G9DP///wgAAAAAAAAAAAAAAAAAAAAAAAAAAAAAAAAAAAAAZAAAAAEAAABAAAAAAAAAAAAAAAAAAAAAAAAAAAAAAAAAAAAAAAAAAAAAAAAAAAAAAAAAAAAAAAAAAAAAAAAAAAAAAAAAAAAAAAAAAAAAAAAAAAAAAAAAAAAAAAAAAAAAFAAAADwAAAAAAAAAAAAAAAAAAAkUAAAAAQAAABQAAAAUAAAAFAAAAAEAAAAAAAAAZAAAAGQAAAAAAAAAZAAAAGQAAAAVAAAAYAAAAAAAAAAAAAAADwAAACADAAAAAAAAAAAAAAEAAACgMgAAVgcAAKr4//8BAAAAf39/AAEAAABkAAAAAAAAABQAAABAHwAAAAAAACYAAAAAAAAAwOD//wAAAAAmAAAAZAAAABYAAABMAAAAAAAAAAAAAAAEAAAAAAAAAAEAAADu7OEKAAAAACgAAAAoAAAAZAAAAGQAAAAAAAAAzMzMAAAAAABQAAAAUAAAAGQAAABkAAAAAAAAAAcAAAA4AAAAAAAAAAAAAAAAAAAA////AAAAAAAAAAAAAAAAAAAAAAAAAAAAAAAAAAAAAABkAAAAZAAAAAAAAAAjAAAABAAAAGQAAAAXAAAAFAAAAAAAAAAAAAAA/38AAP9/AAAAAAAACQAAAAQAAAAAAAAADAAAABAAAAAAAAAAAAAAAAAAAAAAAAAAHgAAAGgAAAAAAAAAAAAAAAAAAAAAAAAAAAAAABAnAAAQJwAAAAAAAAAAAAAAAAAAAAAAAAAAAAAAAAAAAAAAAAAAAAAUAAAAAAAAAMDA/wAAAAAAZAAAADIAAAAAAAAAZAAAAAAAAAB/f38ACgAAAB8AAABUAAAAT4G9Bf///wEAAAAAAAAAAAAAAAAAAAAAAAAAAAAAAAAAAAAAAAAAAAAAAAJ/f38A7uzhA8zMzADAwP8Af39/AAAAAAAAAAAAAAAAAP///wAAAAAAIQAAABgAAAAUAAAAFS8AAOUiAABHQgAAFzYAABAAAAAmAAAACAAAAP//////////"/>
+              </a:ext>
+            </a:extLst>
           </p:cNvPicPr>
           <p:nvPr/>
         </p:nvPicPr>
         <p:blipFill>
-          <a:blip r:embed="rId4">
-            <a:extLst>
-              <a:ext uri="{28A0092B-C50C-407E-A947-70E740481C1C}">
-                <a14:useLocalDpi xmlns:a14="http://schemas.microsoft.com/office/drawing/2010/main" val="0"/>
-              </a:ext>
-            </a:extLst>
-          </a:blip>
+          <a:blip r:embed="rId4"/>
           <a:stretch>
             <a:fillRect/>
           </a:stretch>
         </p:blipFill>
         <p:spPr>
           <a:xfrm>
-            <a:off x="7653899" y="5672211"/>
+            <a:off x="7653655" y="5672455"/>
             <a:ext cx="3120390" cy="3120390"/>
           </a:xfrm>
           <a:prstGeom prst="rect">
             <a:avLst/>
           </a:prstGeom>
+          <a:noFill/>
+          <a:ln>
+            <a:noFill/>
+          </a:ln>
+          <a:effectLst/>
         </p:spPr>
       </p:pic>
     </p:spTree>
-    <p:extLst>
-      <p:ext uri="{BB962C8B-B14F-4D97-AF65-F5344CB8AC3E}">
-        <p14:creationId xmlns:p14="http://schemas.microsoft.com/office/powerpoint/2010/main" val="3865573809"/>
-      </p:ext>
-    </p:extLst>
   </p:cSld>
   <p:clrMapOvr>
     <a:masterClrMapping/>
   </p:clrMapOvr>
+  <p:timing>
+    <p:tnLst>
+      <p:par>
+        <p:cTn id="1" dur="indefinite" restart="never" nodeType="tmRoot"/>
+      </p:par>
+    </p:tnLst>
+  </p:timing>
 </p:sld>
 </file>
 
 <file path=ppt/slides/slide12.xml><?xml version="1.0" encoding="utf-8"?>
-<p:sld xmlns:a="http://schemas.openxmlformats.org/drawingml/2006/main" xmlns:r="http://schemas.openxmlformats.org/officeDocument/2006/relationships" xmlns:p="http://schemas.openxmlformats.org/presentationml/2006/main">
+<p:sld xmlns:p="http://schemas.openxmlformats.org/presentationml/2006/main" xmlns:p14="http://schemas.microsoft.com/office/powerpoint/2010/main" xmlns:r="http://schemas.openxmlformats.org/officeDocument/2006/relationships" xmlns:a="http://schemas.openxmlformats.org/drawingml/2006/main">
   <p:cSld>
     <p:spTree>
       <p:nvGrpSpPr>
@@ -5370,7 +5311,7 @@
             <a:spLocks noGrp="1" noChangeArrowheads="1"/>
             <a:extLst>
               <a:ext uri="smNativeData">
-                <pr:smNativeData xmlns="" xmlns:p14="http://schemas.microsoft.com/office/powerpoint/2010/main" xmlns:pr="smNativeData" val="SMDATA_13_ec9PYBMAAAAlAAAAZAAAAE0AAAAAAAAAAAAAAAAAAAAAAAAAAAAAAAAAAAAAAAAAAAEAAABQAAAAAAAAAAAA4D8AAAAAAADgPwAAAAAAAOA/AAAAAAAA4D8AAAAAAADgPwAAAAAAAOA/AAAAAAAA4D8AAAAAAADgPwAAAAAAAOA/AAAAAAAA4D8CAAAAjAAAAAAAAAAAAAAAT4G9DP///wgAAAAAAAAAAAAAAAAAAAAAAAAAAAAAAAAAAAAAZAAAAAEAAABAAAAAAAAAAAAAAAAAAAAAAAAAAAAAAAAAAAAAAAAAAAAAAAAAAAAAAAAAAAAAAAAAAAAAAAAAAAAAAAAAAAAAAAAAAAAAAAAAAAAAAAAAAAAAAAAAAAAAFAAAADwAAAAAAAAAAAAAAAAAAAkUAAAAAQAAABQAAAAUAAAAFAAAAAEAAAAAAAAAZAAAAGQAAAAAAAAAZAAAAGQAAAAVAAAAYAAAAAAAAAAAAAAADwAAACADAAAAAAAAAAAAAAEAAACgMgAAVgcAAKr4//8BAAAAf39/AAEAAABkAAAAAAAAABQAAABAHwAAAAAAACYAAAAAAAAAwOD//wAAAAAmAAAAZAAAABYAAABMAAAAAAAAAAAAAAAEAAAAAAAAAAEAAADu7OEKAAAAACgAAAAoAAAAZAAAAGQAAAAAAAAAzMzMAAAAAABQAAAAUAAAAGQAAABkAAAAAAAAABcAAAAUAAAAAAAAAAAAAAD/fwAA/38AAAAAAAAJAAAABAAAAAAAAAAMAAAAEAAAAAAAAAAAAAAAAAAAAAAAAAAeAAAAaAAAAAAAAAAAAAAAAAAAAAAAAAAAAAAAECcAABAnAAAAAAAAAAAAAAAAAAAAAAAAAAAAAAAAAAAAAAAAAAAAABQAAAAAAAAAwMD/AAAAAABkAAAAMgAAAAAAAABkAAAAAAAAAH9/fwAKAAAAHwAAAFQAAABPgb0F////AQAAAAAAAAAAAAAAAAAAAAAAAAAAAAAAAAAAAAAAAAAAAAAAAn9/fwDu7OEDzMzMAMDA/wB/f38AAAAAAAAAAAAAAAAAAAAAAAAAAAAhAAAAGAAAABQAAADIBQAAiQsAAHpIAACpDwAAACAAACYAAAAIAAAAAQAAAAAAAAA="/>
+                <pr:smNativeData xmlns:pr="smNativeData" val="SMDATA_13_eIVQYBMAAAAlAAAAZAAAAA0AAAAAAAAAAAAAAAAAAAAAAAAAAAAAAAAAAAAAAAAAAAEAAABQAAAAAAAAAAAA4D8AAAAAAADgPwAAAAAAAOA/AAAAAAAA4D8AAAAAAADgPwAAAAAAAOA/AAAAAAAA4D8AAAAAAADgPwAAAAAAAOA/AAAAAAAA4D8CAAAAjAAAAAAAAAAAAAAA////AP///wgAAAAAAAAAAAAAAAAAAAAAAAAAAAAAAAAAAAAAeAAAAAEAAABAAAAAAAAAAAAAAABaAAAAAAAAAAAAAAAAAAAAAAAAAAAAAAAAAAAAAAAAAAAAAAAAAAAAAAAAAAAAAAAAAAAAAAAAAAAAAAAAAAAAAAAAAAAAAAAAAAAAFAAAADwAAAAAAAAAAAAAAAAAAAAPAAAAAQAAACMAAAAjAAAAIwAAAB4AAAAAAAAAZAAAAGQAAAAAAAAAZAAAAGQAAAAVAAAAYAAAAAAAAAAAAAAADwAAACADAAAAAAAAAAAAAAEAAACgMgAAVgcAAKr4//8BAAAAf39/AAEAAABkAAAAAAAAABQAAABAHwAAAAAAACYAAAAAAAAAwOD//wAAAAAmAAAAZAAAABYAAABMAAAAAAAAAAAAAAAEAAAAAAAAAAEAAADu7OEKAAAAACgAAAAoAAAAZAAAAGQAAAAAAAAAzMzMAAAAAABQAAAAUAAAAGQAAABkAAAAAAAAABcAAAAUAAAAAAAAAAAAAAD/fwAA/38AAAAAAAAJAAAABAAAAGyRchUMAAAAEAAAAAAAAAAAAAAAAAAAAAAAAAAeAAAAaAAAAAAAAAAAAAAAAAAAAAAAAAAAAAAAECcAABAnAAAAAAAAAAAAAAAAAAAAAAAAAAAAAAAAAAAAAAAAAAAAABQAAAAAAAAAwMD/AAAAAABkAAAAMgAAAAAAAABkAAAAAAAAAH9/fwAKAAAAHwAAAFQAAAD///8A////AQAAAAAAAAAAAAAAAAAAAAAAAAAAAAAAAAAAAAAAAAAAAAAAAH9/fwDu7OEDzMzMAMDA/wB/f38AAAAAAAAAAAAAAAAAAAAAAAAAAAAhAAAAGAAAABQAAADIBQAAiQsAAHpIAACpDwAAEAAAACYAAAAIAAAAAQAAAAAAAAA="/>
               </a:ext>
             </a:extLst>
           </p:cNvSpPr>
@@ -5392,16 +5333,7 @@
               <a:defRPr lang="en-gb"/>
             </a:pPr>
             <a:r>
-              <a:rPr dirty="0"/>
-              <a:t>Approach </a:t>
-            </a:r>
-            <a:r>
-              <a:rPr lang="en-GB" dirty="0"/>
-              <a:t>–</a:t>
-            </a:r>
-            <a:r>
-              <a:rPr dirty="0"/>
-              <a:t> Main application</a:t>
+              <a:t>Approach – Main application</a:t>
             </a:r>
           </a:p>
         </p:txBody>
@@ -5413,7 +5345,7 @@
             <a:spLocks noGrp="1" noChangeArrowheads="1"/>
             <a:extLst>
               <a:ext uri="smNativeData">
-                <pr:smNativeData xmlns="" xmlns:p14="http://schemas.microsoft.com/office/powerpoint/2010/main" xmlns:pr="smNativeData" val="SMDATA_13_ec9PYBMAAAAlAAAAZAAAAE0AAAAAAAAAAAAAAAAAAAAAAAAAAAAAAAAAAAAAAAAAAAEAAABQAAAAAAAAAAAA4D8AAAAAAADgPwAAAAAAAOA/AAAAAAAA4D8AAAAAAADgPwAAAAAAAOA/AAAAAAAA4D8AAAAAAADgPwAAAAAAAOA/AAAAAAAA4D8CAAAAjAAAAAAAAAAAAAAAT4G9DP///wgAAAAAAAAAAAAAAAAAAAAAAAAAAAAAAAAAAAAAZAAAAAEAAABAAAAAAAAAAAAAAAAAAAAAAAAAAAAAAAAAAAAAAAAAAAAAAAAAAAAAAAAAAAAAAAAAAAAAAAAAAAAAAAAAAAAAAAAAAAAAAAAAAAAAAAAAAAAAAAAAAAAAFAAAADwAAAAAAAAAAAAAAAAAAAkUAAAAAQAAABQAAAAUAAAAFAAAAAEAAAAAAAAAZAAAAGQAAAAAAAAAZAAAAGQAAAAVAAAAYAAAAAAAAAAAAAAADwAAACADAAAAAAAAAAAAAAEAAACgMgAAVgcAAKr4//8BAAAAf39/AAEAAABkAAAAAAAAABQAAABAHwAAAAAAACYAAAAAAAAAwOD//wAAAAAmAAAAZAAAABYAAABMAAAAAAAAAAAAAAAEAAAAAAAAAAEAAADu7OEKAAAAACgAAAAoAAAAZAAAAGQAAAAAAAAAzMzMAAAAAABQAAAAUAAAAGQAAABkAAAAAAAAABcAAAAUAAAAAAAAAAAAAAD/fwAA/38AAAAAAAAJAAAABAAAAL4FAAAMAAAAEAAAAAAAAAAAAAAAAAAAAAAAAAAeAAAAaAAAAAAAAAAAAAAAAAAAAAAAAAAAAAAAECcAABAnAAAAAAAAAAAAAAAAAAAAAAAAAAAAAAAAAAAAAAAAAAAAABQAAAAAAAAAwMD/AAAAAABkAAAAMgAAAAAAAABkAAAAAAAAAH9/fwAKAAAAHwAAAFQAAABPgb0F////AQAAAAAAAAAAAAAAAAAAAAAAAAAAAAAAAAAAAAAAAAAAAAAAAn9/fwDu7OEDzMzMAMDA/wB/f38AAAAAAAAAAAAAAAAAAAAAAAAAAAAhAAAAGAAAABQAAADIBQAAwBIAAHpIAACQGwAAACAAACYAAAAIAAAAAYAAAAAAAAA="/>
+                <pr:smNativeData xmlns:pr="smNativeData" val="SMDATA_13_eIVQYBMAAAAlAAAAZAAAAA0AAAAAAAAAAAAAAAAAAAAAAAAAAAAAAAAAAAAAAAAAAAEAAABQAAAAAAAAAAAA4D8AAAAAAADgPwAAAAAAAOA/AAAAAAAA4D8AAAAAAADgPwAAAAAAAOA/AAAAAAAA4D8AAAAAAADgPwAAAAAAAOA/AAAAAAAA4D8CAAAAjAAAAAAAAAAAAAAA////AP///wgAAAAAAAAAAAAAAAAAAAAAAAAAAAAAAAAAAAAAeAAAAAEAAABAAAAAAAAAAAAAAABaAAAAAAAAAAAAAAAAAAAAAAAAAAAAAAAAAAAAAAAAAAAAAAAAAAAAAAAAAAAAAAAAAAAAAAAAAAAAAAAAAAAAAAAAAAAAAAAAAAAAFAAAADwAAAAAAAAAAAAAAAAAAAAPAAAAAQAAACMAAAAjAAAAIwAAAB4AAAAAAAAAZAAAAGQAAAAAAAAAZAAAAGQAAAAVAAAAYAAAAAAAAAAAAAAADwAAACADAAAAAAAAAAAAAAEAAACgMgAAVgcAAKr4//8BAAAAf39/AAEAAABkAAAAAAAAABQAAABAHwAAAAAAACYAAAAAAAAAwOD//wAAAAAmAAAAZAAAABYAAABMAAAAAAAAAAAAAAAEAAAAAAAAAAEAAADu7OEKAAAAACgAAAAoAAAAZAAAAGQAAAAAAAAAzMzMAAAAAABQAAAAUAAAAGQAAABkAAAAAAAAABcAAAAUAAAAAAAAAAAAAAD/fwAA/38AAAAAAAAJAAAABAAAAAAAAAAMAAAAEAAAAAAAAAAAAAAAAAAAAAAAAAAeAAAAaAAAAAAAAAAAAAAAAAAAAAAAAAAAAAAAECcAABAnAAAAAAAAAAAAAAAAAAAAAAAAAAAAAAAAAAAAAAAAAAAAABQAAAAAAAAAwMD/AAAAAABkAAAAMgAAAAAAAABkAAAAAAAAAH9/fwAKAAAAHwAAAFQAAAD///8A////AQAAAAAAAAAAAAAAAAAAAAAAAAAAAAAAAAAAAAAAAAAAAAAAAH9/fwDu7OEDzMzMAMDA/wB/f38AAAAAAAAAAAAAAAAAAAAAAAAAAAAhAAAAGAAAABQAAADIBQAAwBIAAHpIAABnJgAAEAAAACYAAAAIAAAAAYAAAAAAAAA="/>
               </a:ext>
             </a:extLst>
           </p:cNvSpPr>
@@ -5424,7 +5356,7 @@
         <p:spPr>
           <a:xfrm>
             <a:off x="939800" y="3048000"/>
-            <a:ext cx="10841990" cy="1432560"/>
+            <a:ext cx="10841990" cy="3194685"/>
           </a:xfrm>
         </p:spPr>
         <p:txBody>
@@ -5441,7 +5373,7 @@
                 <a:schemeClr val="accent1"/>
               </a:buClr>
               <a:buSzPts val="2910"/>
-              <a:buFont typeface="Wingdings" charset="0"/>
+              <a:buFont typeface="Wingdings" pitchFamily="0" charset="0"/>
               <a:buChar char="§"/>
               <a:tabLst/>
               <a:defRPr lang="de-de" sz="2800" b="0" i="0" baseline="0">
@@ -5472,7 +5404,7 @@
               <a:lnSpc>
                 <a:spcPct val="150000"/>
               </a:lnSpc>
-              <a:buFont typeface="Wingdings" charset="0"/>
+              <a:buFont typeface="Wingdings" pitchFamily="0" charset="0"/>
               <a:buChar char="§"/>
               <a:defRPr lang="de-de" sz="2000" b="0" i="0" baseline="0">
                 <a:solidFill>
@@ -5504,55 +5436,49 @@
           </a:lstStyle>
           <a:p>
             <a:pPr>
-              <a:defRPr lang="de-de" b="0"/>
-            </a:pPr>
-            <a:r>
-              <a:rPr dirty="0"/>
+              <a:defRPr lang="de-de"/>
+            </a:pPr>
+            <a:r>
               <a:t>Views</a:t>
             </a:r>
           </a:p>
           <a:p>
             <a:pPr lvl="1">
-              <a:defRPr lang="de-de" b="0"/>
-            </a:pPr>
-            <a:r>
-              <a:rPr lang="de-DE" dirty="0"/>
+              <a:defRPr lang="de-de"/>
+            </a:pPr>
+            <a:r>
               <a:t>Main page</a:t>
             </a:r>
           </a:p>
           <a:p>
             <a:pPr lvl="1">
-              <a:defRPr lang="de-de" b="0"/>
-            </a:pPr>
-            <a:r>
-              <a:rPr lang="de-DE" dirty="0"/>
+              <a:defRPr lang="de-de"/>
+            </a:pPr>
+            <a:r>
               <a:t>Visual feedback settings</a:t>
             </a:r>
           </a:p>
           <a:p>
             <a:pPr lvl="1">
-              <a:defRPr lang="de-de" b="0"/>
-            </a:pPr>
-            <a:r>
-              <a:rPr lang="de-DE" dirty="0"/>
+              <a:defRPr lang="de-de"/>
+            </a:pPr>
+            <a:r>
               <a:t>Other feedback settings</a:t>
             </a:r>
           </a:p>
           <a:p>
             <a:pPr lvl="1">
-              <a:defRPr lang="de-de" b="0"/>
-            </a:pPr>
-            <a:r>
-              <a:rPr lang="de-DE" dirty="0"/>
+              <a:defRPr lang="de-de"/>
+            </a:pPr>
+            <a:r>
               <a:t>Sensors suspension setting</a:t>
             </a:r>
-            <a:endParaRPr dirty="0"/>
-          </a:p>
-          <a:p>
-            <a:pPr>
-              <a:defRPr lang="de-de"/>
-            </a:pPr>
-            <a:endParaRPr lang="en-gb" dirty="0"/>
+          </a:p>
+          <a:p>
+            <a:pPr>
+              <a:defRPr lang="de-de"/>
+            </a:pPr>
+            <a:endParaRPr lang="en-gb"/>
           </a:p>
         </p:txBody>
       </p:sp>
@@ -5563,7 +5489,7 @@
             <a:spLocks noGrp="1" noChangeArrowheads="1"/>
             <a:extLst>
               <a:ext uri="smNativeData">
-                <pr:smNativeData xmlns="" xmlns:p14="http://schemas.microsoft.com/office/powerpoint/2010/main" xmlns:pr="smNativeData" val="SMDATA_13_ec9PYBMAAAAlAAAAZAAAAA0AAAAAAAAAAAAAAAAAAAAAAAAAAAAAAAAAAAAAAAAAAAEAAABQAAAAAAAAAAAA4D8AAAAAAADgPwAAAAAAAOA/AAAAAAAA4D8AAAAAAADgPwAAAAAAAOA/AAAAAAAA4D8AAAAAAADgPwAAAAAAAOA/AAAAAAAA4D8CAAAAjAAAAAAAAAAAAAAAT4G9DP///wgAAAAAAAAAAAAAAAAAAAAAAAAAAAAAAAAAAAAAZAAAAAEAAABAAAAAAAAAAAAAAAAAAAAAAAAAAAAAAAAAAAAAAAAAAAAAAAAAAAAAAAAAAAAAAAAAAAAAAAAAAAAAAAAAAAAAAAAAAAAAAAAAAAAAAAAAAAAAAAAAAAAAFAAAADwAAAAAAAAAAAAAAAAAAAkUAAAAAQAAABQAAAAUAAAAFAAAAAEAAAAAAAAAZAAAAGQAAAAAAAAAZAAAAGQAAAAVAAAAYAAAAAAAAAAAAAAADwAAACADAAAAAAAAAAAAAAEAAACgMgAAVgcAAKr4//8BAAAAf39/AAEAAABkAAAAAAAAABQAAABAHwAAAAAAACYAAAAAAAAAwOD//wAAAAAmAAAAZAAAABYAAABMAAAAAAAAAAAAAAAEAAAAAAAAAAEAAADu7OEKAAAAACgAAAAoAAAAZAAAAGQAAAAAAAAAzMzMAAAAAABQAAAAUAAAAGQAAABkAAAAAAAAABcAAAAUAAAAAAAAAAAAAAD/fwAA/38AAAAAAAAJAAAABAAAAGwAAAAMAAAAEAAAAAAAAAAAAAAAAAAAAAAAAAAeAAAAaAAAAAAAAAAAAAAAAAAAAAAAAAAAAAAAECcAABAnAAAAAAAAAAAAAAAAAAAAAAAAAAAAAAAAAAAAAAAAAAAAABQAAAAAAAAAwMD/AAAAAABkAAAAMgAAAAAAAABkAAAAAAAAAH9/fwAKAAAAHwAAAFQAAABPgb0F////AQAAAAAAAAAAAAAAAAAAAAAAAAAAAAAAAAAAAAAAAAAAAAAAAn9/fwDu7OEDzMzMAMDA/wB/f38AAAAAAAAAAAAAAAAAAAAAAAAAAAAhAAAAGAAAABQAAADqAQAA4DgAAPAKAACYOgAAEAAAACYAAAAIAAAAAQAAAAAAAAA="/>
+                <pr:smNativeData xmlns:pr="smNativeData" val="SMDATA_13_eIVQYBMAAAAlAAAAZAAAAA0AAAAAAAAAAAAAAAAAAAAAAAAAAAAAAAAAAAAAAAAAAAEAAABQAAAAAAAAAAAA4D8AAAAAAADgPwAAAAAAAOA/AAAAAAAA4D8AAAAAAADgPwAAAAAAAOA/AAAAAAAA4D8AAAAAAADgPwAAAAAAAOA/AAAAAAAA4D8CAAAAjAAAAAAAAAAAAAAA////AP///wgAAAAAAAAAAAAAAAAAAAAAAAAAAAAAAAAAAAAAeAAAAAEAAABAAAAAAAAAAAAAAABaAAAAAAAAAAAAAAAAAAAAAAAAAAAAAAAAAAAAAAAAAAAAAAAAAAAAAAAAAAAAAAAAAAAAAAAAAAAAAAAAAAAAAAAAAAAAAAAAAAAAFAAAADwAAAAAAAAAAAAAAAAAAAAPAAAAAQAAACMAAAAjAAAAIwAAAB4AAAAAAAAAZAAAAGQAAAAAAAAAZAAAAGQAAAAVAAAAYAAAAAAAAAAAAAAADwAAACADAAAAAAAAAAAAAAEAAACgMgAAVgcAAKr4//8BAAAAf39/AAEAAABkAAAAAAAAABQAAABAHwAAAAAAACYAAAAAAAAAwOD//wAAAAAmAAAAZAAAABYAAABMAAAAAAAAAAAAAAAEAAAAAAAAAAEAAADu7OEKAAAAACgAAAAoAAAAZAAAAGQAAAAAAAAAzMzMAAAAAABQAAAAUAAAAGQAAABkAAAAAAAAABcAAAAUAAAAAAAAAAAAAAD/fwAA/38AAAAAAAAJAAAABAAAAAAAAAAMAAAAEAAAAAAAAAAAAAAAAAAAAAAAAAAeAAAAaAAAAAAAAAAAAAAAAAAAAAAAAAAAAAAAECcAABAnAAAAAAAAAAAAAAAAAAAAAAAAAAAAAAAAAAAAAAAAAAAAABQAAAAAAAAAwMD/AAAAAABkAAAAMgAAAAAAAABkAAAAAAAAAH9/fwAKAAAAHwAAAFQAAAD///8A////AQAAAAAAAAAAAAAAAAAAAAAAAAAAAAAAAAAAAAAAAAAAAAAAAH9/fwDu7OEDzMzMAMDA/wB/f38AAAAAAAAAAAAAAAAAAAAAAAAAAAAhAAAAGAAAABQAAADqAQAA4DgAAPAKAACYOgAAEAAAACYAAAAIAAAAAAAAAAAAAAA="/>
               </a:ext>
             </a:extLst>
           </p:cNvSpPr>
@@ -5571,12 +5497,7 @@
             <p:ph type="dt" sz="half" idx="2"/>
           </p:nvPr>
         </p:nvSpPr>
-        <p:spPr>
-          <a:xfrm>
-            <a:off x="311150" y="9245600"/>
-            <a:ext cx="1466850" cy="279400"/>
-          </a:xfrm>
-        </p:spPr>
+        <p:spPr/>
         <p:txBody>
           <a:bodyPr/>
           <a:lstStyle/>
@@ -5597,7 +5518,7 @@
             <a:spLocks noGrp="1" noChangeArrowheads="1"/>
             <a:extLst>
               <a:ext uri="smNativeData">
-                <pr:smNativeData xmlns="" xmlns:p14="http://schemas.microsoft.com/office/powerpoint/2010/main" xmlns:pr="smNativeData" val="SMDATA_13_ec9PYBMAAAAlAAAAZAAAAA0AAAAAAAAAAAAAAAAAAAAAAAAAAAAAAAAAAAAAAAAAAAEAAABQAAAAAAAAAAAA4D8AAAAAAADgPwAAAAAAAOA/AAAAAAAA4D8AAAAAAADgPwAAAAAAAOA/AAAAAAAA4D8AAAAAAADgPwAAAAAAAOA/AAAAAAAA4D8CAAAAjAAAAAAAAAAAAAAAT4G9DP///wgAAAAAAAAAAAAAAAAAAAAAAAAAAAAAAAAAAAAAZAAAAAEAAABAAAAAAAAAAAAAAAAAAAAAAAAAAAAAAAAAAAAAAAAAAAAAAAAAAAAAAAAAAAAAAAAAAAAAAAAAAAAAAAAAAAAAAAAAAAAAAAAAAAAAAAAAAAAAAAAAAAAAFAAAADwAAAAAAAAAAAAAAAAAAAkUAAAAAQAAABQAAAAUAAAAFAAAAAEAAAAAAAAAZAAAAGQAAAAAAAAAZAAAAGQAAAAVAAAAYAAAAAAAAAAAAAAADwAAACADAAAAAAAAAAAAAAEAAACgMgAAVgcAAKr4//8BAAAAf39/AAEAAABkAAAAAAAAABQAAABAHwAAAAAAACYAAAAAAAAAwOD//wAAAAAmAAAAZAAAABYAAABMAAAAAAAAAAAAAAAEAAAAAAAAAAEAAADu7OEKAAAAACgAAAAoAAAAZAAAAGQAAAAAAAAAzMzMAAAAAABQAAAAUAAAAGQAAABkAAAAAAAAABcAAAAUAAAAAAAAAAAAAAD/fwAA/38AAAAAAAAJAAAABAAAAEgDAAAMAAAAEAAAAAAAAAAAAAAAAAAAAAAAAAAeAAAAaAAAAAAAAAAAAAAAAAAAAAAAAAAAAAAAECcAABAnAAAAAAAAAAAAAAAAAAAAAAAAAAAAAAAAAAAAAAAAAAAAABQAAAAAAAAAwMD/AAAAAABkAAAAMgAAAAAAAABkAAAAAAAAAH9/fwAKAAAAHwAAAFQAAABPgb0F////AQAAAAAAAAAAAAAAAAAAAAAAAAAAAAAAAAAAAAAAAAAAAAAAAn9/fwDu7OEDzMzMAMDA/wB/f38AAAAAAAAAAAAAAAAAAAAAAAAAAAAhAAAAGAAAABQAAADQSAAAGDkAABZOAACYOgAAEAAAACYAAAAIAAAAAAAAAAAAAAA="/>
+                <pr:smNativeData xmlns:pr="smNativeData" val="SMDATA_13_eIVQYBMAAAAlAAAAZAAAAA0AAAAAAAAAAAAAAAAAAAAAAAAAAAAAAAAAAAAAAAAAAAEAAABQAAAAAAAAAAAA4D8AAAAAAADgPwAAAAAAAOA/AAAAAAAA4D8AAAAAAADgPwAAAAAAAOA/AAAAAAAA4D8AAAAAAADgPwAAAAAAAOA/AAAAAAAA4D8CAAAAjAAAAAAAAAAAAAAA////AP///wgAAAAAAAAAAAAAAAAAAAAAAAAAAAAAAAAAAAAAeAAAAAEAAABAAAAAAAAAAAAAAABaAAAAAAAAAAAAAAAAAAAAAAAAAAAAAAAAAAAAAAAAAAAAAAAAAAAAAAAAAAAAAAAAAAAAAAAAAAAAAAAAAAAAAAAAAAAAAAAAAAAAFAAAADwAAAAAAAAAAAAAAAAAAAAPAAAAAQAAACMAAAAjAAAAIwAAAB4AAAAAAAAAZAAAAGQAAAAAAAAAZAAAAGQAAAAVAAAAYAAAAAAAAAAAAAAADwAAACADAAAAAAAAAAAAAAEAAACgMgAAVgcAAKr4//8BAAAAf39/AAEAAABkAAAAAAAAABQAAABAHwAAAAAAACYAAAAAAAAAwOD//wAAAAAmAAAAZAAAABYAAABMAAAAAAAAAAAAAAAEAAAAAAAAAAEAAADu7OEKAAAAACgAAAAoAAAAZAAAAGQAAAAAAAAAzMzMAAAAAABQAAAAUAAAAGQAAABkAAAAAAAAABcAAAAUAAAAAAAAAAAAAAD/fwAA/38AAAAAAAAJAAAABAAAAAAAAAAMAAAAEAAAAAAAAAAAAAAAAAAAAAAAAAAeAAAAaAAAAAAAAAAAAAAAAAAAAAAAAAAAAAAAECcAABAnAAAAAAAAAAAAAAAAAAAAAAAAAAAAAAAAAAAAAAAAAAAAABQAAAAAAAAAwMD/AAAAAABkAAAAMgAAAAAAAABkAAAAAAAAAH9/fwAKAAAAHwAAAFQAAAD///8A////AQAAAAAAAAAAAAAAAAAAAAAAAAAAAAAAAAAAAAAAAAAAAAAAAH9/fwDu7OEDzMzMAMDA/wB/f38AAAAAAAAAAAAAAAAAAAAAAAAAAAAhAAAAGAAAABQAAADQSAAAGDkAABZOAACYOgAAEAAAACYAAAAIAAAAAAAAAAAAAAA="/>
               </a:ext>
             </a:extLst>
           </p:cNvSpPr>
@@ -5613,136 +5534,131 @@
             <a:pPr>
               <a:defRPr lang="de-de"/>
             </a:pPr>
-            <a:fld id="{470D4CB7-F9AA-58BA-E4B5-0FEF02FB125A}" type="slidenum">
+            <a:fld id="{656E3B5A-1488-3BCD-C6D6-E298759830B7}" type="slidenum">
               <a:t>12</a:t>
             </a:fld>
-            <a:endParaRPr/>
           </a:p>
         </p:txBody>
       </p:sp>
       <p:pic>
         <p:nvPicPr>
-          <p:cNvPr id="7" name="Picture 6">
-            <a:extLst>
-              <a:ext uri="{FF2B5EF4-FFF2-40B4-BE49-F238E27FC236}">
-                <a16:creationId xmlns:a16="http://schemas.microsoft.com/office/drawing/2014/main" id="{3A39AD43-045B-43EF-BA41-318FAB3D2AE2}"/>
-              </a:ext>
-            </a:extLst>
-          </p:cNvPr>
+          <p:cNvPr id="6" name="Picture 6"/>
           <p:cNvPicPr>
             <a:picLocks noChangeAspect="1"/>
+            <a:extLst>
+              <a:ext uri="smNativeData">
+                <pr:smNativeData xmlns:pr="smNativeData" val="SMDATA_15_eIVQYBMAAAAlAAAAEQAAAC0AAAAAkAAAAEgAAACQAAAASAAAAAAAAAAAAAAAAAAAAAEAAABQAAAAAAAAAAAA4D8AAAAAAADgPwAAAAAAAOA/AAAAAAAA4D8AAAAAAADgPwAAAAAAAOA/AAAAAAAA4D8AAAAAAADgPwAAAAAAAOA/AAAAAAAA4D8CAAAAjAAAAAAAAAAAAAAAT4G9DP///wgAAAAAAAAAAAAAAAAAAAAAAAAAAAAAAAAAAAAAZAAAAAEAAABAAAAAAAAAAAAAAAAAAAAAAAAAAAAAAAAAAAAAAAAAAAAAAAAAAAAAAAAAAAAAAAAAAAAAAAAAAAAAAAAAAAAAAAAAAAAAAAAAAAAAAAAAAAAAAAAAAAAAFAAAADwAAAAAAAAAAAAAAAAAAAkUAAAAAQAAABQAAAAUAAAAFAAAAAEAAAAAAAAAZAAAAGQAAAAAAAAAZAAAAGQAAAAVAAAAYAAAAAAAAAAAAAAADwAAACADAAAAAAAAAAAAAAEAAACgMgAAVgcAAKr4//8BAAAAf39/AAEAAABkAAAAAAAAABQAAABAHwAAAAAAACYAAAAAAAAAwOD//wAAAAAmAAAAZAAAABYAAABMAAAAAAAAAAAAAAAEAAAAAAAAAAEAAADu7OEKAAAAACgAAAAoAAAAZAAAAGQAAAAAAAAAzMzMAAAAAABQAAAAUAAAAGQAAABkAAAAAAAAAAcAAAA4AAAAAAAAAAAAAAAAAAAA////AAAAAAAAAAAAAAAAAAAAAAAAAAAAAAAAAAAAAABkAAAAZAAAAAAAAAAjAAAABAAAAGQAAAAXAAAAFAAAAAAAAAAAAAAA/38AAP9/AAAAAAAACQAAAAQAAAAAAAAADAAAABAAAAAAAAAAAAAAAAAAAAAAAAAAHgAAAGgAAAAAAAAAAAAAAAAAAAAAAAAAAAAAABAnAAAQJwAAAAAAAAAAAAAAAAAAAAAAAAAAAAAAAAAAAAAAAAAAAAAUAAAAAAAAAMDA/wAAAAAAZAAAADIAAAAAAAAAZAAAAAAAAAB/f38ACgAAAB8AAABUAAAAT4G9Bf///wEAAAAAAAAAAAAAAAAAAAAAAAAAAAAAAAAAAAAAAAAAAAAAAAJ/f38A7uzhA8zMzADAwP8Af39/AAAAAAAAAAAAAAAAAP///wAAAAAAIQAAABgAAAAUAAAAlTkAAMIQAABzSwAAoCIAABAAAAAmAAAACAAAAP//////////"/>
+              </a:ext>
+            </a:extLst>
           </p:cNvPicPr>
           <p:nvPr/>
         </p:nvPicPr>
         <p:blipFill>
-          <a:blip r:embed="rId2">
-            <a:extLst>
-              <a:ext uri="{28A0092B-C50C-407E-A947-70E740481C1C}">
-                <a14:useLocalDpi xmlns:a14="http://schemas.microsoft.com/office/drawing/2010/main" val="0"/>
-              </a:ext>
-            </a:extLst>
-          </a:blip>
+          <a:blip r:embed="rId2"/>
           <a:stretch>
             <a:fillRect/>
           </a:stretch>
         </p:blipFill>
         <p:spPr>
           <a:xfrm>
-            <a:off x="9360497" y="2724150"/>
-            <a:ext cx="2904528" cy="2904528"/>
+            <a:off x="9360535" y="2724150"/>
+            <a:ext cx="2904490" cy="2904490"/>
           </a:xfrm>
           <a:prstGeom prst="rect">
             <a:avLst/>
           </a:prstGeom>
+          <a:noFill/>
+          <a:ln>
+            <a:noFill/>
+          </a:ln>
+          <a:effectLst/>
         </p:spPr>
       </p:pic>
       <p:pic>
         <p:nvPicPr>
-          <p:cNvPr id="9" name="Picture 8">
-            <a:extLst>
-              <a:ext uri="{FF2B5EF4-FFF2-40B4-BE49-F238E27FC236}">
-                <a16:creationId xmlns:a16="http://schemas.microsoft.com/office/drawing/2014/main" id="{7B8B1681-37D2-4A0B-A3AF-0382BF1B19B5}"/>
-              </a:ext>
-            </a:extLst>
-          </p:cNvPr>
+          <p:cNvPr id="7" name="Picture 8"/>
           <p:cNvPicPr>
             <a:picLocks noChangeAspect="1"/>
+            <a:extLst>
+              <a:ext uri="smNativeData">
+                <pr:smNativeData xmlns:pr="smNativeData" val="SMDATA_15_eIVQYBMAAAAlAAAAEQAAAC0AAAAAkAAAAEgAAACQAAAASAAAAAAAAAAAAAAAAAAAAAEAAABQAAAAAAAAAAAA4D8AAAAAAADgPwAAAAAAAOA/AAAAAAAA4D8AAAAAAADgPwAAAAAAAOA/AAAAAAAA4D8AAAAAAADgPwAAAAAAAOA/AAAAAAAA4D8CAAAAjAAAAAAAAAAAAAAAT4G9DP///wgAAAAAAAAAAAAAAAAAAAAAAAAAAAAAAAAAAAAAZAAAAAEAAABAAAAAAAAAAAAAAAAAAAAAAAAAAAAAAAAAAAAAAAAAAAAAAAAAAAAAAAAAAAAAAAAAAAAAAAAAAAAAAAAAAAAAAAAAAAAAAAAAAAAAAAAAAAAAAAAAAAAAFAAAADwAAAAAAAAAAAAAAAAAAAkUAAAAAQAAABQAAAAUAAAAFAAAAAEAAAAAAAAAZAAAAGQAAAAAAAAAZAAAAGQAAAAVAAAAYAAAAAAAAAAAAAAADwAAACADAAAAAAAAAAAAAAEAAACgMgAAVgcAAKr4//8BAAAAf39/AAEAAABkAAAAAAAAABQAAABAHwAAAAAAACYAAAAAAAAAwOD//wAAAAAmAAAAZAAAABYAAABMAAAAAAAAAAAAAAAEAAAAAAAAAAEAAADu7OEKAAAAACgAAAAoAAAAZAAAAGQAAAAAAAAAzMzMAAAAAABQAAAAUAAAAGQAAABkAAAAAAAAAAcAAAA4AAAAAAAAAAAAAAAAAAAA////AAAAAAAAAAAAAAAAAAAAAAAAAAAAAAAAAAAAAABkAAAAZAAAAAAAAAAjAAAABAAAAGQAAAAXAAAAFAAAAAAAAAAAAAAA/38AAP9/AAAAAAAACQAAAAQAAAAAAAAADAAAABAAAAAAAAAAAAAAAAAAAAAAAAAAHgAAAGgAAAAAAAAAAAAAAAAAAAAAAAAAAAAAABAnAAAQJwAAAAAAAAAAAAAAAAAAAAAAAAAAAAAAAAAAAAAAAAAAAAAUAAAAAAAAAMDA/wAAAAAAZAAAADIAAAAAAAAAZAAAAAAAAAB/f38ACgAAAB8AAABUAAAAT4G9Bf///wEAAAAAAAAAAAAAAAAAAAAAAAAAAAAAAAAAAAAAAAAAAAAAAAJ/f38A7uzhA8zMzADAwP8Af39/AAAAAAAAAAAAAAAAAP///wAAAAAAIQAAABgAAAAUAAAA5yQAAMIQAADFNgAAoCIAABAAAAAmAAAACAAAAP//////////"/>
+              </a:ext>
+            </a:extLst>
           </p:cNvPicPr>
           <p:nvPr/>
         </p:nvPicPr>
         <p:blipFill>
-          <a:blip r:embed="rId3">
-            <a:extLst>
-              <a:ext uri="{28A0092B-C50C-407E-A947-70E740481C1C}">
-                <a14:useLocalDpi xmlns:a14="http://schemas.microsoft.com/office/drawing/2010/main" val="0"/>
-              </a:ext>
-            </a:extLst>
-          </a:blip>
+          <a:blip r:embed="rId3"/>
           <a:stretch>
             <a:fillRect/>
           </a:stretch>
         </p:blipFill>
         <p:spPr>
           <a:xfrm>
-            <a:off x="5998847" y="2724150"/>
-            <a:ext cx="2904528" cy="2904528"/>
+            <a:off x="5998845" y="2724150"/>
+            <a:ext cx="2904490" cy="2904490"/>
           </a:xfrm>
           <a:prstGeom prst="rect">
             <a:avLst/>
           </a:prstGeom>
+          <a:noFill/>
+          <a:ln>
+            <a:noFill/>
+          </a:ln>
+          <a:effectLst/>
         </p:spPr>
       </p:pic>
       <p:pic>
         <p:nvPicPr>
-          <p:cNvPr id="11" name="Picture 10">
-            <a:extLst>
-              <a:ext uri="{FF2B5EF4-FFF2-40B4-BE49-F238E27FC236}">
-                <a16:creationId xmlns:a16="http://schemas.microsoft.com/office/drawing/2014/main" id="{764B30FC-8312-4728-BA11-03AAF9A60342}"/>
-              </a:ext>
-            </a:extLst>
-          </p:cNvPr>
+          <p:cNvPr id="8" name="Picture 10"/>
           <p:cNvPicPr>
             <a:picLocks noChangeAspect="1"/>
+            <a:extLst>
+              <a:ext uri="smNativeData">
+                <pr:smNativeData xmlns:pr="smNativeData" val="SMDATA_15_eIVQYBMAAAAlAAAAEQAAAC0AAAAAkAAAAEgAAACQAAAASAAAAAAAAAAAAAAAAAAAAAEAAABQAAAAAAAAAAAA4D8AAAAAAADgPwAAAAAAAOA/AAAAAAAA4D8AAAAAAADgPwAAAAAAAOA/AAAAAAAA4D8AAAAAAADgPwAAAAAAAOA/AAAAAAAA4D8CAAAAjAAAAAAAAAAAAAAAT4G9DP///wgAAAAAAAAAAAAAAAAAAAAAAAAAAAAAAAAAAAAAZAAAAAEAAABAAAAAAAAAAAAAAAAAAAAAAAAAAAAAAAAAAAAAAAAAAAAAAAAAAAAAAAAAAAAAAAAAAAAAAAAAAAAAAAAAAAAAAAAAAAAAAAAAAAAAAAAAAAAAAAAAAAAAFAAAADwAAAAAAAAAAAAAAAAAAAkUAAAAAQAAABQAAAAUAAAAFAAAAAEAAAAAAAAAZAAAAGQAAAAAAAAAZAAAAGQAAAAVAAAAYAAAAAAAAAAAAAAADwAAACADAAAAAAAAAAAAAAEAAACgMgAAVgcAAKr4//8BAAAAf39/AAEAAABkAAAAAAAAABQAAABAHwAAAAAAACYAAAAAAAAAwOD//wAAAAAmAAAAZAAAABYAAABMAAAAAAAAAAAAAAAEAAAAAAAAAAEAAADu7OEKAAAAACgAAAAoAAAAZAAAAGQAAAAAAAAAzMzMAAAAAABQAAAAUAAAAGQAAABkAAAAAAAAAAcAAAA4AAAAAAAAAAAAAAAAAAAA////AAAAAAAAAAAAAAAAAAAAAAAAAAAAAAAAAAAAAABkAAAAZAAAAAAAAAAjAAAABAAAAGQAAAAXAAAAFAAAAAAAAAAAAAAA/38AAP9/AAAAAAAACQAAAAQAAAAAAAAADAAAABAAAAAAAAAAAAAAAAAAAAAAAAAAHgAAAGgAAAAAAAAAAAAAAAAAAAAAAAAAAAAAABAnAAAQJwAAAAAAAAAAAAAAAAAAAAAAAAAAAAAAAAAAAAAAAAAAAAAUAAAAAAAAAMDA/wAAAAAAZAAAADIAAAAAAAAAZAAAAAAAAAB/f38ACgAAAB8AAABUAAAAT4G9Bf///wEAAAAAAAAAAAAAAAAAAAAAAAAAAAAAAAAAAAAAAAAAAAAAAAJ/f38A7uzhA8zMzADAwP8Af39/AAAAAAAAAAAAAAAAAP///wAAAAAAIQAAABgAAAAUAAAAPi8AAIMiAAAcQQAAYTQAABAAAAAmAAAACAAAAP//////////"/>
+              </a:ext>
+            </a:extLst>
           </p:cNvPicPr>
           <p:nvPr/>
         </p:nvPicPr>
         <p:blipFill>
-          <a:blip r:embed="rId4">
-            <a:extLst>
-              <a:ext uri="{28A0092B-C50C-407E-A947-70E740481C1C}">
-                <a14:useLocalDpi xmlns:a14="http://schemas.microsoft.com/office/drawing/2010/main" val="0"/>
-              </a:ext>
-            </a:extLst>
-          </a:blip>
+          <a:blip r:embed="rId4"/>
           <a:stretch>
             <a:fillRect/>
           </a:stretch>
         </p:blipFill>
         <p:spPr>
           <a:xfrm>
-            <a:off x="7679672" y="5610231"/>
-            <a:ext cx="2904529" cy="2904529"/>
+            <a:off x="7679690" y="5610225"/>
+            <a:ext cx="2904490" cy="2904490"/>
           </a:xfrm>
           <a:prstGeom prst="rect">
             <a:avLst/>
           </a:prstGeom>
+          <a:noFill/>
+          <a:ln>
+            <a:noFill/>
+          </a:ln>
+          <a:effectLst/>
         </p:spPr>
       </p:pic>
     </p:spTree>
-    <p:extLst>
-      <p:ext uri="{BB962C8B-B14F-4D97-AF65-F5344CB8AC3E}">
-        <p14:creationId xmlns:p14="http://schemas.microsoft.com/office/powerpoint/2010/main" val="925941194"/>
-      </p:ext>
-    </p:extLst>
   </p:cSld>
   <p:clrMapOvr>
     <a:masterClrMapping/>
   </p:clrMapOvr>
+  <p:timing>
+    <p:tnLst>
+      <p:par>
+        <p:cTn id="1" dur="indefinite" restart="never" nodeType="tmRoot"/>
+      </p:par>
+    </p:tnLst>
+  </p:timing>
 </p:sld>
 </file>
 
 <file path=ppt/slides/slide13.xml><?xml version="1.0" encoding="utf-8"?>
-<p:sld xmlns:a="http://schemas.openxmlformats.org/drawingml/2006/main" xmlns:r="http://schemas.openxmlformats.org/officeDocument/2006/relationships" xmlns:p="http://schemas.openxmlformats.org/presentationml/2006/main">
+<p:sld xmlns:p="http://schemas.openxmlformats.org/presentationml/2006/main" xmlns:p14="http://schemas.microsoft.com/office/powerpoint/2010/main" xmlns:r="http://schemas.openxmlformats.org/officeDocument/2006/relationships" xmlns:a="http://schemas.openxmlformats.org/drawingml/2006/main">
   <p:cSld>
     <p:spTree>
       <p:nvGrpSpPr>
@@ -5765,7 +5681,7 @@
             <a:spLocks noGrp="1" noChangeArrowheads="1"/>
             <a:extLst>
               <a:ext uri="smNativeData">
-                <pr:smNativeData xmlns:pr="smNativeData" xmlns:p14="http://schemas.microsoft.com/office/powerpoint/2010/main" xmlns="" val="SMDATA_13_ec9PYBMAAAAlAAAAZAAAAE0AAAAAAAAAAAAAAAAAAAAAAAAAAAAAAAAAAAAAAAAAAAEAAABQAAAAAAAAAAAA4D8AAAAAAADgPwAAAAAAAOA/AAAAAAAA4D8AAAAAAADgPwAAAAAAAOA/AAAAAAAA4D8AAAAAAADgPwAAAAAAAOA/AAAAAAAA4D8CAAAAjAAAAAAAAAAAAAAAT4G9DP///wgAAAAAAAAAAAAAAAAAAAAAAAAAAAAAAAAAAAAAZAAAAAEAAABAAAAAAAAAAAAAAAAAAAAAAAAAAAAAAAAAAAAAAAAAAAAAAAAAAAAAAAAAAAAAAAAAAAAAAAAAAAAAAAAAAAAAAAAAAAAAAAAAAAAAAAAAAAAAAAAAAAAAFAAAADwAAAAAAAAAAAAAAAAAAAkUAAAAAQAAABQAAAAUAAAAFAAAAAEAAAAAAAAAZAAAAGQAAAAAAAAAZAAAAGQAAAAVAAAAYAAAAAAAAAAAAAAADwAAACADAAAAAAAAAAAAAAEAAACgMgAAVgcAAKr4//8BAAAAf39/AAEAAABkAAAAAAAAABQAAABAHwAAAAAAACYAAAAAAAAAwOD//wAAAAAmAAAAZAAAABYAAABMAAAAAAAAAAAAAAAEAAAAAAAAAAEAAADu7OEKAAAAACgAAAAoAAAAZAAAAGQAAAAAAAAAzMzMAAAAAABQAAAAUAAAAGQAAABkAAAAAAAAABcAAAAUAAAAAAAAAAAAAAD/fwAA/38AAAAAAAAJAAAABAAAAAAAAAAMAAAAEAAAAAAAAAAAAAAAAAAAAAAAAAAeAAAAaAAAAAAAAAAAAAAAAAAAAAAAAAAAAAAAECcAABAnAAAAAAAAAAAAAAAAAAAAAAAAAAAAAAAAAAAAAAAAAAAAABQAAAAAAAAAwMD/AAAAAABkAAAAMgAAAAAAAABkAAAAAAAAAH9/fwAKAAAAHwAAAFQAAABPgb0F////AQAAAAAAAAAAAAAAAAAAAAAAAAAAAAAAAAAAAAAAAAAAAAAAAn9/fwDu7OEDzMzMAMDA/wB/f38AAAAAAAAAAAAAAAAAAAAAAAAAAAAhAAAAGAAAABQAAADIBQAAiQsAAHpIAACpDwAAACAAACYAAAAIAAAAAQAAAAAAAAA="/>
+                <pr:smNativeData xmlns:pr="smNativeData" val="SMDATA_13_eIVQYBMAAAAlAAAAZAAAAA0AAAAAAAAAAAAAAAAAAAAAAAAAAAAAAAAAAAAAAAAAAAEAAABQAAAAAAAAAAAA4D8AAAAAAADgPwAAAAAAAOA/AAAAAAAA4D8AAAAAAADgPwAAAAAAAOA/AAAAAAAA4D8AAAAAAADgPwAAAAAAAOA/AAAAAAAA4D8CAAAAjAAAAAAAAAAAAAAA////AP///wgAAAAAAAAAAAAAAAAAAAAAAAAAAAAAAAAAAAAAeAAAAAEAAABAAAAAAAAAAAAAAABaAAAAAAAAAAAAAAAAAAAAAAAAAAAAAAAAAAAAAAAAAAAAAAAAAAAAAAAAAAAAAAAAAAAAAAAAAAAAAAAAAAAAAAAAAAAAAAAAAAAAFAAAADwAAAAAAAAAAAAAAAAAAAAPAAAAAQAAACMAAAAjAAAAIwAAAB4AAAAAAAAAZAAAAGQAAAAAAAAAZAAAAGQAAAAVAAAAYAAAAAAAAAAAAAAADwAAACADAAAAAAAAAAAAAAEAAACgMgAAVgcAAKr4//8BAAAAf39/AAEAAABkAAAAAAAAABQAAABAHwAAAAAAACYAAAAAAAAAwOD//wAAAAAmAAAAZAAAABYAAABMAAAAAAAAAAAAAAAEAAAAAAAAAAEAAADu7OEKAAAAACgAAAAoAAAAZAAAAGQAAAAAAAAAzMzMAAAAAABQAAAAUAAAAGQAAABkAAAAAAAAABcAAAAUAAAAAAAAAAAAAAD/fwAA/38AAAAAAAAJAAAABAAAAAAAAAAMAAAAEAAAAAAAAAAAAAAAAAAAAAAAAAAeAAAAaAAAAAAAAAAAAAAAAAAAAAAAAAAAAAAAECcAABAnAAAAAAAAAAAAAAAAAAAAAAAAAAAAAAAAAAAAAAAAAAAAABQAAAAAAAAAwMD/AAAAAABkAAAAMgAAAAAAAABkAAAAAAAAAH9/fwAKAAAAHwAAAFQAAAD///8A////AQAAAAAAAAAAAAAAAAAAAAAAAAAAAAAAAAAAAAAAAAAAAAAAAH9/fwDu7OEDzMzMAMDA/wB/f38AAAAAAAAAAAAAAAAAAAAAAAAAAAAhAAAAGAAAABQAAADIBQAAiQsAAHpIAACpDwAAEAAAACYAAAAIAAAAAQAAAAAAAAA="/>
               </a:ext>
             </a:extLst>
           </p:cNvSpPr>
@@ -5787,16 +5703,7 @@
               <a:defRPr lang="en-gb"/>
             </a:pPr>
             <a:r>
-              <a:rPr dirty="0"/>
-              <a:t>Approach </a:t>
-            </a:r>
-            <a:r>
-              <a:rPr lang="en-GB" dirty="0"/>
-              <a:t>–</a:t>
-            </a:r>
-            <a:r>
-              <a:rPr dirty="0"/>
-              <a:t> Watch face application </a:t>
+              <a:t>Approach – Watch face application </a:t>
             </a:r>
           </a:p>
         </p:txBody>
@@ -5808,7 +5715,7 @@
             <a:spLocks noGrp="1" noChangeArrowheads="1"/>
             <a:extLst>
               <a:ext uri="smNativeData">
-                <pr:smNativeData xmlns:pr="smNativeData" xmlns:p14="http://schemas.microsoft.com/office/powerpoint/2010/main" xmlns="" val="SMDATA_13_ec9PYBMAAAAlAAAAZAAAAE0AAAAAAAAAAAAAAAAAAAAAAAAAAAAAAAAAAAAAAAAAAAEAAABQAAAAAAAAAAAA4D8AAAAAAADgPwAAAAAAAOA/AAAAAAAA4D8AAAAAAADgPwAAAAAAAOA/AAAAAAAA4D8AAAAAAADgPwAAAAAAAOA/AAAAAAAA4D8CAAAAjAAAAAAAAAAAAAAAT4G9DP///wgAAAAAAAAAAAAAAAAAAAAAAAAAAAAAAAAAAAAAZAAAAAEAAABAAAAAAAAAAAAAAAAAAAAAAAAAAAAAAAAAAAAAAAAAAAAAAAAAAAAAAAAAAAAAAAAAAAAAAAAAAAAAAAAAAAAAAAAAAAAAAAAAAAAAAAAAAAAAAAAAAAAAFAAAADwAAAAAAAAAAAAAAAAAAAkUAAAAAQAAABQAAAAUAAAAFAAAAAEAAAAAAAAAZAAAAGQAAAAAAAAAZAAAAGQAAAAVAAAAYAAAAAAAAAAAAAAADwAAACADAAAAAAAAAAAAAAEAAACgMgAAVgcAAKr4//8BAAAAf39/AAEAAABkAAAAAAAAABQAAABAHwAAAAAAACYAAAAAAAAAwOD//wAAAAAmAAAAZAAAABYAAABMAAAAAAAAAAAAAAAEAAAAAAAAAAEAAADu7OEKAAAAACgAAAAoAAAAZAAAAGQAAAAAAAAAzMzMAAAAAABQAAAAUAAAAGQAAABkAAAAAAAAABcAAAAUAAAAAAAAAAAAAAD/fwAA/38AAAAAAAAJAAAABAAAAL4FAAAMAAAAEAAAAAAAAAAAAAAAAAAAAAAAAAAeAAAAaAAAAAAAAAAAAAAAAAAAAAAAAAAAAAAAECcAABAnAAAAAAAAAAAAAAAAAAAAAAAAAAAAAAAAAAAAAAAAAAAAABQAAAAAAAAAwMD/AAAAAABkAAAAMgAAAAAAAABkAAAAAAAAAH9/fwAKAAAAHwAAAFQAAABPgb0F////AQAAAAAAAAAAAAAAAAAAAAAAAAAAAAAAAAAAAAAAAAAAAAAAAn9/fwDu7OEDzMzMAMDA/wB/f38AAAAAAAAAAAAAAAAAAAAAAAAAAAAhAAAAGAAAABQAAADIBQAAwBIAAHpIAACQGwAAACAAACYAAAAIAAAAAYAAAAAAAAA="/>
+                <pr:smNativeData xmlns:pr="smNativeData" val="SMDATA_13_eIVQYBMAAAAlAAAAZAAAAA0AAAAAAAAAAAAAAAAAAAAAAAAAAAAAAAAAAAAAAAAAAAEAAABQAAAAAAAAAAAA4D8AAAAAAADgPwAAAAAAAOA/AAAAAAAA4D8AAAAAAADgPwAAAAAAAOA/AAAAAAAA4D8AAAAAAADgPwAAAAAAAOA/AAAAAAAA4D8CAAAAjAAAAAAAAAAAAAAA////AP///wgAAAAAAAAAAAAAAAAAAAAAAAAAAAAAAAAAAAAAeAAAAAEAAABAAAAAAAAAAAAAAABaAAAAAAAAAAAAAAAAAAAAAAAAAAAAAAAAAAAAAAAAAAAAAAAAAAAAAAAAAAAAAAAAAAAAAAAAAAAAAAAAAAAAAAAAAAAAAAAAAAAAFAAAADwAAAAAAAAAAAAAAAAAAAAPAAAAAQAAACMAAAAjAAAAIwAAAB4AAAAAAAAAZAAAAGQAAAAAAAAAZAAAAGQAAAAVAAAAYAAAAAAAAAAAAAAADwAAACADAAAAAAAAAAAAAAEAAACgMgAAVgcAAKr4//8BAAAAf39/AAEAAABkAAAAAAAAABQAAABAHwAAAAAAACYAAAAAAAAAwOD//wAAAAAmAAAAZAAAABYAAABMAAAAAAAAAAAAAAAEAAAAAAAAAAEAAADu7OEKAAAAACgAAAAoAAAAZAAAAGQAAAAAAAAAzMzMAAAAAABQAAAAUAAAAGQAAABkAAAAAAAAABcAAAAUAAAAAAAAAAAAAAD/fwAA/38AAAAAAAAJAAAABAAAAAAAAAAMAAAAEAAAAAAAAAAAAAAAAAAAAAAAAAAeAAAAaAAAAAAAAAAAAAAAAAAAAAAAAAAAAAAAECcAABAnAAAAAAAAAAAAAAAAAAAAAAAAAAAAAAAAAAAAAAAAAAAAABQAAAAAAAAAwMD/AAAAAABkAAAAMgAAAAAAAABkAAAAAAAAAH9/fwAKAAAAHwAAAFQAAAD///8A////AQAAAAAAAAAAAAAAAAAAAAAAAAAAAAAAAAAAAAAAAAAAAAAAAH9/fwDu7OEDzMzMAMDA/wB/f38AAAAAAAAAAAAAAAAAAAAAAAAAAAAhAAAAGAAAABQAAADIBQAAwBIAAHpIAACQGwAAEAAAACYAAAAIAAAAAYAAAAAAAAA="/>
               </a:ext>
             </a:extLst>
           </p:cNvSpPr>
@@ -5836,7 +5743,7 @@
                 <a:schemeClr val="accent1"/>
               </a:buClr>
               <a:buSzPts val="2910"/>
-              <a:buFont typeface="Wingdings" charset="0"/>
+              <a:buFont typeface="Wingdings" pitchFamily="0" charset="0"/>
               <a:buChar char="§"/>
               <a:tabLst/>
               <a:defRPr lang="de-de" sz="2800" b="0" i="0" baseline="0">
@@ -5867,7 +5774,7 @@
               <a:lnSpc>
                 <a:spcPct val="150000"/>
               </a:lnSpc>
-              <a:buFont typeface="Wingdings" charset="0"/>
+              <a:buFont typeface="Wingdings" pitchFamily="0" charset="0"/>
               <a:buChar char="§"/>
               <a:defRPr lang="de-de" sz="2000" b="0" i="0" baseline="0">
                 <a:solidFill>
@@ -5899,28 +5806,25 @@
           </a:lstStyle>
           <a:p>
             <a:pPr>
-              <a:defRPr lang="de-de" b="0"/>
-            </a:pPr>
-            <a:r>
-              <a:rPr dirty="0"/>
+              <a:defRPr lang="de-de"/>
+            </a:pPr>
+            <a:r>
               <a:t>Normal mode</a:t>
             </a:r>
           </a:p>
           <a:p>
             <a:pPr>
-              <a:defRPr lang="de-de" b="0"/>
-            </a:pPr>
-            <a:r>
-              <a:rPr lang="de-DE" dirty="0"/>
+              <a:defRPr lang="de-de"/>
+            </a:pPr>
+            <a:r>
               <a:t>Ambient mode</a:t>
             </a:r>
-            <a:endParaRPr dirty="0"/>
-          </a:p>
-          <a:p>
-            <a:pPr>
-              <a:defRPr lang="de-de"/>
-            </a:pPr>
-            <a:endParaRPr lang="en-gb" dirty="0"/>
+          </a:p>
+          <a:p>
+            <a:pPr>
+              <a:defRPr lang="de-de"/>
+            </a:pPr>
+            <a:endParaRPr lang="en-gb"/>
           </a:p>
         </p:txBody>
       </p:sp>
@@ -5931,7 +5835,7 @@
             <a:spLocks noGrp="1" noChangeArrowheads="1"/>
             <a:extLst>
               <a:ext uri="smNativeData">
-                <pr:smNativeData xmlns:pr="smNativeData" xmlns:p14="http://schemas.microsoft.com/office/powerpoint/2010/main" xmlns="" val="SMDATA_13_ec9PYBMAAAAlAAAAZAAAAA0AAAAAAAAAAAAAAAAAAAAAAAAAAAAAAAAAAAAAAAAAAAEAAABQAAAAAAAAAAAA4D8AAAAAAADgPwAAAAAAAOA/AAAAAAAA4D8AAAAAAADgPwAAAAAAAOA/AAAAAAAA4D8AAAAAAADgPwAAAAAAAOA/AAAAAAAA4D8CAAAAjAAAAAAAAAAAAAAAT4G9DP///wgAAAAAAAAAAAAAAAAAAAAAAAAAAAAAAAAAAAAAZAAAAAEAAABAAAAAAAAAAAAAAAAAAAAAAAAAAAAAAAAAAAAAAAAAAAAAAAAAAAAAAAAAAAAAAAAAAAAAAAAAAAAAAAAAAAAAAAAAAAAAAAAAAAAAAAAAAAAAAAAAAAAAFAAAADwAAAAAAAAAAAAAAAAAAAkUAAAAAQAAABQAAAAUAAAAFAAAAAEAAAAAAAAAZAAAAGQAAAAAAAAAZAAAAGQAAAAVAAAAYAAAAAAAAAAAAAAADwAAACADAAAAAAAAAAAAAAEAAACgMgAAVgcAAKr4//8BAAAAf39/AAEAAABkAAAAAAAAABQAAABAHwAAAAAAACYAAAAAAAAAwOD//wAAAAAmAAAAZAAAABYAAABMAAAAAAAAAAAAAAAEAAAAAAAAAAEAAADu7OEKAAAAACgAAAAoAAAAZAAAAGQAAAAAAAAAzMzMAAAAAABQAAAAUAAAAGQAAABkAAAAAAAAABcAAAAUAAAAAAAAAAAAAAD/fwAA/38AAAAAAAAJAAAABAAAAGwAAAAMAAAAEAAAAAAAAAAAAAAAAAAAAAAAAAAeAAAAaAAAAAAAAAAAAAAAAAAAAAAAAAAAAAAAECcAABAnAAAAAAAAAAAAAAAAAAAAAAAAAAAAAAAAAAAAAAAAAAAAABQAAAAAAAAAwMD/AAAAAABkAAAAMgAAAAAAAABkAAAAAAAAAH9/fwAKAAAAHwAAAFQAAABPgb0F////AQAAAAAAAAAAAAAAAAAAAAAAAAAAAAAAAAAAAAAAAAAAAAAAAn9/fwDu7OEDzMzMAMDA/wB/f38AAAAAAAAAAAAAAAAAAAAAAAAAAAAhAAAAGAAAABQAAADqAQAA4DgAAPAKAACYOgAAEAAAACYAAAAIAAAAAQAAAAAAAAA="/>
+                <pr:smNativeData xmlns:pr="smNativeData" val="SMDATA_13_eIVQYBMAAAAlAAAAZAAAAA0AAAAAAAAAAAAAAAAAAAAAAAAAAAAAAAAAAAAAAAAAAAEAAABQAAAAAAAAAAAA4D8AAAAAAADgPwAAAAAAAOA/AAAAAAAA4D8AAAAAAADgPwAAAAAAAOA/AAAAAAAA4D8AAAAAAADgPwAAAAAAAOA/AAAAAAAA4D8CAAAAjAAAAAAAAAAAAAAA////AP///wgAAAAAAAAAAAAAAAAAAAAAAAAAAAAAAAAAAAAAeAAAAAEAAABAAAAAAAAAAAAAAABaAAAAAAAAAAAAAAAAAAAAAAAAAAAAAAAAAAAAAAAAAAAAAAAAAAAAAAAAAAAAAAAAAAAAAAAAAAAAAAAAAAAAAAAAAAAAAAAAAAAAFAAAADwAAAAAAAAAAAAAAAAAAAAPAAAAAQAAACMAAAAjAAAAIwAAAB4AAAAAAAAAZAAAAGQAAAAAAAAAZAAAAGQAAAAVAAAAYAAAAAAAAAAAAAAADwAAACADAAAAAAAAAAAAAAEAAACgMgAAVgcAAKr4//8BAAAAf39/AAEAAABkAAAAAAAAABQAAABAHwAAAAAAACYAAAAAAAAAwOD//wAAAAAmAAAAZAAAABYAAABMAAAAAAAAAAAAAAAEAAAAAAAAAAEAAADu7OEKAAAAACgAAAAoAAAAZAAAAGQAAAAAAAAAzMzMAAAAAABQAAAAUAAAAGQAAABkAAAAAAAAABcAAAAUAAAAAAAAAAAAAAD/fwAA/38AAAAAAAAJAAAABAAAACAAAAAMAAAAEAAAAAAAAAAAAAAAAAAAAAAAAAAeAAAAaAAAAAAAAAAAAAAAAAAAAAAAAAAAAAAAECcAABAnAAAAAAAAAAAAAAAAAAAAAAAAAAAAAAAAAAAAAAAAAAAAABQAAAAAAAAAwMD/AAAAAABkAAAAMgAAAAAAAABkAAAAAAAAAH9/fwAKAAAAHwAAAFQAAAD///8A////AQAAAAAAAAAAAAAAAAAAAAAAAAAAAAAAAAAAAAAAAAAAAAAAAH9/fwDu7OEDzMzMAMDA/wB/f38AAAAAAAAAAAAAAAAAAAAAAAAAAAAhAAAAGAAAABQAAADqAQAA4DgAAPAKAACYOgAAEAAAACYAAAAIAAAAAAAAAAAAAAA="/>
               </a:ext>
             </a:extLst>
           </p:cNvSpPr>
@@ -5939,12 +5843,7 @@
             <p:ph type="dt" sz="half" idx="2"/>
           </p:nvPr>
         </p:nvSpPr>
-        <p:spPr>
-          <a:xfrm>
-            <a:off x="311150" y="9245600"/>
-            <a:ext cx="1466850" cy="279400"/>
-          </a:xfrm>
-        </p:spPr>
+        <p:spPr/>
         <p:txBody>
           <a:bodyPr/>
           <a:lstStyle/>
@@ -5965,7 +5864,7 @@
             <a:spLocks noGrp="1" noChangeArrowheads="1"/>
             <a:extLst>
               <a:ext uri="smNativeData">
-                <pr:smNativeData xmlns:pr="smNativeData" xmlns:p14="http://schemas.microsoft.com/office/powerpoint/2010/main" xmlns="" val="SMDATA_13_ec9PYBMAAAAlAAAAZAAAAA0AAAAAAAAAAAAAAAAAAAAAAAAAAAAAAAAAAAAAAAAAAAEAAABQAAAAAAAAAAAA4D8AAAAAAADgPwAAAAAAAOA/AAAAAAAA4D8AAAAAAADgPwAAAAAAAOA/AAAAAAAA4D8AAAAAAADgPwAAAAAAAOA/AAAAAAAA4D8CAAAAjAAAAAAAAAAAAAAAT4G9DP///wgAAAAAAAAAAAAAAAAAAAAAAAAAAAAAAAAAAAAAZAAAAAEAAABAAAAAAAAAAAAAAAAAAAAAAAAAAAAAAAAAAAAAAAAAAAAAAAAAAAAAAAAAAAAAAAAAAAAAAAAAAAAAAAAAAAAAAAAAAAAAAAAAAAAAAAAAAAAAAAAAAAAAFAAAADwAAAAAAAAAAAAAAAAAAAkUAAAAAQAAABQAAAAUAAAAFAAAAAEAAAAAAAAAZAAAAGQAAAAAAAAAZAAAAGQAAAAVAAAAYAAAAAAAAAAAAAAADwAAACADAAAAAAAAAAAAAAEAAACgMgAAVgcAAKr4//8BAAAAf39/AAEAAABkAAAAAAAAABQAAABAHwAAAAAAACYAAAAAAAAAwOD//wAAAAAmAAAAZAAAABYAAABMAAAAAAAAAAAAAAAEAAAAAAAAAAEAAADu7OEKAAAAACgAAAAoAAAAZAAAAGQAAAAAAAAAzMzMAAAAAABQAAAAUAAAAGQAAABkAAAAAAAAABcAAAAUAAAAAAAAAAAAAAD/fwAA/38AAAAAAAAJAAAABAAAAEgDAAAMAAAAEAAAAAAAAAAAAAAAAAAAAAAAAAAeAAAAaAAAAAAAAAAAAAAAAAAAAAAAAAAAAAAAECcAABAnAAAAAAAAAAAAAAAAAAAAAAAAAAAAAAAAAAAAAAAAAAAAABQAAAAAAAAAwMD/AAAAAABkAAAAMgAAAAAAAABkAAAAAAAAAH9/fwAKAAAAHwAAAFQAAABPgb0F////AQAAAAAAAAAAAAAAAAAAAAAAAAAAAAAAAAAAAAAAAAAAAAAAAn9/fwDu7OEDzMzMAMDA/wB/f38AAAAAAAAAAAAAAAAAAAAAAAAAAAAhAAAAGAAAABQAAADQSAAAGDkAABZOAACYOgAAEAAAACYAAAAIAAAAAAAAAAAAAAA="/>
+                <pr:smNativeData xmlns:pr="smNativeData" val="SMDATA_13_eIVQYBMAAAAlAAAAZAAAAA0AAAAAAAAAAAAAAAAAAAAAAAAAAAAAAAAAAAAAAAAAAAEAAABQAAAAAAAAAAAA4D8AAAAAAADgPwAAAAAAAOA/AAAAAAAA4D8AAAAAAADgPwAAAAAAAOA/AAAAAAAA4D8AAAAAAADgPwAAAAAAAOA/AAAAAAAA4D8CAAAAjAAAAAAAAAAAAAAA////AP///wgAAAAAAAAAAAAAAAAAAAAAAAAAAAAAAAAAAAAAeAAAAAEAAABAAAAAAAAAAAAAAABaAAAAAAAAAAAAAAAAAAAAAAAAAAAAAAAAAAAAAAAAAAAAAAAAAAAAAAAAAAAAAAAAAAAAAAAAAAAAAAAAAAAAAAAAAAAAAAAAAAAAFAAAADwAAAAAAAAAAAAAAAAAAAAPAAAAAQAAACMAAAAjAAAAIwAAAB4AAAAAAAAAZAAAAGQAAAAAAAAAZAAAAGQAAAAVAAAAYAAAAAAAAAAAAAAADwAAACADAAAAAAAAAAAAAAEAAACgMgAAVgcAAKr4//8BAAAAf39/AAEAAABkAAAAAAAAABQAAABAHwAAAAAAACYAAAAAAAAAwOD//wAAAAAmAAAAZAAAABYAAABMAAAAAAAAAAAAAAAEAAAAAAAAAAEAAADu7OEKAAAAACgAAAAoAAAAZAAAAGQAAAAAAAAAzMzMAAAAAABQAAAAUAAAAGQAAABkAAAAAAAAABcAAAAUAAAAAAAAAAAAAAD/fwAA/38AAAAAAAAJAAAABAAAAEEAQQAMAAAAEAAAAAAAAAAAAAAAAAAAAAAAAAAeAAAAaAAAAAAAAAAAAAAAAAAAAAAAAAAAAAAAECcAABAnAAAAAAAAAAAAAAAAAAAAAAAAAAAAAAAAAAAAAAAAAAAAABQAAAAAAAAAwMD/AAAAAABkAAAAMgAAAAAAAABkAAAAAAAAAH9/fwAKAAAAHwAAAFQAAAD///8A////AQAAAAAAAAAAAAAAAAAAAAAAAAAAAAAAAAAAAAAAAAAAAAAAAH9/fwDu7OEDzMzMAMDA/wB/f38AAAAAAAAAAAAAAAAAAAAAAAAAAAAhAAAAGAAAABQAAADQSAAAGDkAABZOAACYOgAAEAAAACYAAAAIAAAAAAAAAAAAAAA="/>
               </a:ext>
             </a:extLst>
           </p:cNvSpPr>
@@ -5981,28 +5880,29 @@
             <a:pPr>
               <a:defRPr lang="de-de"/>
             </a:pPr>
-            <a:fld id="{470D4CB7-F9AA-58BA-E4B5-0FEF02FB125A}" type="slidenum">
+            <a:fld id="{784215A2-EC95-17E3-DBFA-1AB65BB42D4F}" type="slidenum">
               <a:t>13</a:t>
             </a:fld>
-            <a:endParaRPr/>
           </a:p>
         </p:txBody>
       </p:sp>
     </p:spTree>
-    <p:extLst>
-      <p:ext uri="{BB962C8B-B14F-4D97-AF65-F5344CB8AC3E}">
-        <p14:creationId xmlns:p14="http://schemas.microsoft.com/office/powerpoint/2010/main" val="417504112"/>
-      </p:ext>
-    </p:extLst>
   </p:cSld>
   <p:clrMapOvr>
     <a:masterClrMapping/>
   </p:clrMapOvr>
+  <p:timing>
+    <p:tnLst>
+      <p:par>
+        <p:cTn id="1" dur="indefinite" restart="never" nodeType="tmRoot"/>
+      </p:par>
+    </p:tnLst>
+  </p:timing>
 </p:sld>
 </file>
 
 <file path=ppt/slides/slide14.xml><?xml version="1.0" encoding="utf-8"?>
-<p:sld xmlns:a="http://schemas.openxmlformats.org/drawingml/2006/main" xmlns:r="http://schemas.openxmlformats.org/officeDocument/2006/relationships" xmlns:p="http://schemas.openxmlformats.org/presentationml/2006/main">
+<p:sld xmlns:p="http://schemas.openxmlformats.org/presentationml/2006/main" xmlns:p14="http://schemas.microsoft.com/office/powerpoint/2010/main" xmlns:r="http://schemas.openxmlformats.org/officeDocument/2006/relationships" xmlns:a="http://schemas.openxmlformats.org/drawingml/2006/main">
   <p:cSld>
     <p:spTree>
       <p:nvGrpSpPr>
@@ -6025,7 +5925,7 @@
             <a:spLocks noGrp="1" noChangeArrowheads="1"/>
             <a:extLst>
               <a:ext uri="smNativeData">
-                <pr:smNativeData xmlns:pr="smNativeData" xmlns:p14="http://schemas.microsoft.com/office/powerpoint/2010/main" xmlns="" val="SMDATA_13_ec9PYBMAAAAlAAAAZAAAAE0AAAAAAAAAAAAAAAAAAAAAAAAAAAAAAAAAAAAAAAAAAAEAAABQAAAAAAAAAAAA4D8AAAAAAADgPwAAAAAAAOA/AAAAAAAA4D8AAAAAAADgPwAAAAAAAOA/AAAAAAAA4D8AAAAAAADgPwAAAAAAAOA/AAAAAAAA4D8CAAAAjAAAAAAAAAAAAAAAT4G9DP///wgAAAAAAAAAAAAAAAAAAAAAAAAAAAAAAAAAAAAAZAAAAAEAAABAAAAAAAAAAAAAAAAAAAAAAAAAAAAAAAAAAAAAAAAAAAAAAAAAAAAAAAAAAAAAAAAAAAAAAAAAAAAAAAAAAAAAAAAAAAAAAAAAAAAAAAAAAAAAAAAAAAAAFAAAADwAAAAAAAAAAAAAAAAAAAkUAAAAAQAAABQAAAAUAAAAFAAAAAEAAAAAAAAAZAAAAGQAAAAAAAAAZAAAAGQAAAAVAAAAYAAAAAAAAAAAAAAADwAAACADAAAAAAAAAAAAAAEAAACgMgAAVgcAAKr4//8BAAAAf39/AAEAAABkAAAAAAAAABQAAABAHwAAAAAAACYAAAAAAAAAwOD//wAAAAAmAAAAZAAAABYAAABMAAAAAAAAAAAAAAAEAAAAAAAAAAEAAADu7OEKAAAAACgAAAAoAAAAZAAAAGQAAAAAAAAAzMzMAAAAAABQAAAAUAAAAGQAAABkAAAAAAAAABcAAAAUAAAAAAAAAAAAAAD/fwAA/38AAAAAAAAJAAAABAAAALEDAAAMAAAAEAAAAAAAAAAAAAAAAAAAAAAAAAAeAAAAaAAAAAAAAAAAAAAAAAAAAAAAAAAAAAAAECcAABAnAAAAAAAAAAAAAAAAAAAAAAAAAAAAAAAAAAAAAAAAAAAAABQAAAAAAAAAwMD/AAAAAABkAAAAMgAAAAAAAABkAAAAAAAAAH9/fwAKAAAAHwAAAFQAAABPgb0F////AQAAAAAAAAAAAAAAAAAAAAAAAAAAAAAAAAAAAAAAAAAAAAAAAn9/fwDu7OEDzMzMAMDA/wB/f38AAAAAAAAAAAAAAAAAAAAAAAAAAAAhAAAAGAAAABQAAADIBQAAiQsAAHpIAACpDwAAACAAACYAAAAIAAAAAQAAAAAAAAA="/>
+                <pr:smNativeData xmlns:pr="smNativeData" val="SMDATA_13_eIVQYBMAAAAlAAAAZAAAAA0AAAAAAAAAAAAAAAAAAAAAAAAAAAAAAAAAAAAAAAAAAAEAAABQAAAAAAAAAAAA4D8AAAAAAADgPwAAAAAAAOA/AAAAAAAA4D8AAAAAAADgPwAAAAAAAOA/AAAAAAAA4D8AAAAAAADgPwAAAAAAAOA/AAAAAAAA4D8CAAAAjAAAAAAAAAAAAAAA////AP///wgAAAAAAAAAAAAAAAAAAAAAAAAAAAAAAAAAAAAAeAAAAAEAAABAAAAAAAAAAAAAAABaAAAAAAAAAAAAAAAAAAAAAAAAAAAAAAAAAAAAAAAAAAAAAAAAAAAAAAAAAAAAAAAAAAAAAAAAAAAAAAAAAAAAAAAAAAAAAAAAAAAAFAAAADwAAAAAAAAAAAAAAAAAAAAPAAAAAQAAACMAAAAjAAAAIwAAAB4AAAAAAAAAZAAAAGQAAAAAAAAAZAAAAGQAAAAVAAAAYAAAAAAAAAAAAAAADwAAACADAAAAAAAAAAAAAAEAAACgMgAAVgcAAKr4//8BAAAAf39/AAEAAABkAAAAAAAAABQAAABAHwAAAAAAACYAAAAAAAAAwOD//wAAAAAmAAAAZAAAABYAAABMAAAAAAAAAAAAAAAEAAAAAAAAAAEAAADu7OEKAAAAACgAAAAoAAAAZAAAAGQAAAAAAAAAzMzMAAAAAABQAAAAUAAAAGQAAABkAAAAAAAAABcAAAAUAAAAAAAAAAAAAAD/fwAA/38AAAAAAAAJAAAABAAAAAAAAAAMAAAAEAAAAAAAAAAAAAAAAAAAAAAAAAAeAAAAaAAAAAAAAAAAAAAAAAAAAAAAAAAAAAAAECcAABAnAAAAAAAAAAAAAAAAAAAAAAAAAAAAAAAAAAAAAAAAAAAAABQAAAAAAAAAwMD/AAAAAABkAAAAMgAAAAAAAABkAAAAAAAAAH9/fwAKAAAAHwAAAFQAAAD///8A////AQAAAAAAAAAAAAAAAAAAAAAAAAAAAAAAAAAAAAAAAAAAAAAAAH9/fwDu7OEDzMzMAMDA/wB/f38AAAAAAAAAAAAAAAAAAAAAAAAAAAAhAAAAGAAAABQAAADIBQAAiQsAAHpIAACpDwAAEAAAACYAAAAIAAAAAQAAAAAAAAA="/>
               </a:ext>
             </a:extLst>
           </p:cNvSpPr>
@@ -6059,7 +5959,7 @@
             <a:spLocks noGrp="1" noChangeArrowheads="1"/>
             <a:extLst>
               <a:ext uri="smNativeData">
-                <pr:smNativeData xmlns:pr="smNativeData" xmlns:p14="http://schemas.microsoft.com/office/powerpoint/2010/main" xmlns="" val="SMDATA_13_ec9PYBMAAAAlAAAAZAAAAE0AAAAAAAAAAAAAAAAAAAAAAAAAAAAAAAAAAAAAAAAAAAEAAABQAAAAAAAAAAAA4D8AAAAAAADgPwAAAAAAAOA/AAAAAAAA4D8AAAAAAADgPwAAAAAAAOA/AAAAAAAA4D8AAAAAAADgPwAAAAAAAOA/AAAAAAAA4D8CAAAAjAAAAAAAAAAAAAAAT4G9DP///wgAAAAAAAAAAAAAAAAAAAAAAAAAAAAAAAAAAAAAZAAAAAEAAABAAAAAAAAAAAAAAAAAAAAAAAAAAAAAAAAAAAAAAAAAAAAAAAAAAAAAAAAAAAAAAAAAAAAAAAAAAAAAAAAAAAAAAAAAAAAAAAAAAAAAAAAAAAAAAAAAAAAAFAAAADwAAAAAAAAAAAAAAAAAAAkUAAAAAQAAABQAAAAUAAAAFAAAAAEAAAAAAAAAZAAAAGQAAAAAAAAAZAAAAGQAAAAVAAAAYAAAAAAAAAAAAAAADwAAACADAAAAAAAAAAAAAAEAAACgMgAAVgcAAKr4//8BAAAAf39/AAEAAABkAAAAAAAAABQAAABAHwAAAAAAACYAAAAAAAAAwOD//wAAAAAmAAAAZAAAABYAAABMAAAAAAAAAAAAAAAEAAAAAAAAAAEAAADu7OEKAAAAACgAAAAoAAAAZAAAAGQAAAAAAAAAzMzMAAAAAABQAAAAUAAAAGQAAABkAAAAAAAAABcAAAAUAAAAAAAAAAAAAAD/fwAA/38AAAAAAAAJAAAABAAAABQDAAAMAAAAEAAAAAAAAAAAAAAAAAAAAAAAAAAeAAAAaAAAAAAAAAAAAAAAAAAAAAAAAAAAAAAAECcAABAnAAAAAAAAAAAAAAAAAAAAAAAAAAAAAAAAAAAAAAAAAAAAABQAAAAAAAAAwMD/AAAAAABkAAAAMgAAAAAAAABkAAAAAAAAAH9/fwAKAAAAHwAAAFQAAABPgb0F////AQAAAAAAAAAAAAAAAAAAAAAAAAAAAAAAAAAAAAAAAAAAAAAAAn9/fwDu7OEDzMzMAMDA/wB/f38AAAAAAAAAAAAAAAAAAAAAAAAAAAAhAAAAGAAAABQAAADIBQAAwBIAAHpIAABQMQAAACAAACYAAAAIAAAAAYAAAAAAAAA="/>
+                <pr:smNativeData xmlns:pr="smNativeData" val="SMDATA_13_eIVQYBMAAAAlAAAAZAAAAA0AAAAAAAAAAAAAAAAAAAAAAAAAAAAAAAAAAAAAAAAAAAEAAABQAAAAAAAAAAAA4D8AAAAAAADgPwAAAAAAAOA/AAAAAAAA4D8AAAAAAADgPwAAAAAAAOA/AAAAAAAA4D8AAAAAAADgPwAAAAAAAOA/AAAAAAAA4D8CAAAAjAAAAAAAAAAAAAAA////AP///wgAAAAAAAAAAAAAAAAAAAAAAAAAAAAAAAAAAAAAeAAAAAEAAABAAAAAAAAAAAAAAABaAAAAAAAAAAAAAAAAAAAAAAAAAAAAAAAAAAAAAAAAAAAAAAAAAAAAAAAAAAAAAAAAAAAAAAAAAAAAAAAAAAAAAAAAAAAAAAAAAAAAFAAAADwAAAAAAAAAAAAAAAAAAAAPAAAAAQAAACMAAAAjAAAAIwAAAB4AAAAAAAAAZAAAAGQAAAAAAAAAZAAAAGQAAAAVAAAAYAAAAAAAAAAAAAAADwAAACADAAAAAAAAAAAAAAEAAACgMgAAVgcAAKr4//8BAAAAf39/AAEAAABkAAAAAAAAABQAAABAHwAAAAAAACYAAAAAAAAAwOD//wAAAAAmAAAAZAAAABYAAABMAAAAAAAAAAAAAAAEAAAAAAAAAAEAAADu7OEKAAAAACgAAAAoAAAAZAAAAGQAAAAAAAAAzMzMAAAAAABQAAAAUAAAAGQAAABkAAAAAAAAABcAAAAUAAAAAAAAAAAAAAD/fwAA/38AAAAAAAAJAAAABAAAAEEAQQAMAAAAEAAAAAAAAAAAAAAAAAAAAAAAAAAeAAAAaAAAAAAAAAAAAAAAAAAAAAAAAAAAAAAAECcAABAnAAAAAAAAAAAAAAAAAAAAAAAAAAAAAAAAAAAAAAAAAAAAABQAAAAAAAAAwMD/AAAAAABkAAAAMgAAAAAAAABkAAAAAAAAAH9/fwAKAAAAHwAAAFQAAAD///8A////AQAAAAAAAAAAAAAAAAAAAAAAAAAAAAAAAAAAAAAAAAAAAAAAAH9/fwDu7OEDzMzMAMDA/wB/f38AAAAAAAAAAAAAAAAAAAAAAAAAAAAhAAAAGAAAABQAAADIBQAAwBIAAHpIAABQMQAAEAAAACYAAAAIAAAAAYAAAAAAAAA="/>
               </a:ext>
             </a:extLst>
           </p:cNvSpPr>
@@ -6087,7 +5987,7 @@
                 <a:schemeClr val="accent1"/>
               </a:buClr>
               <a:buSzPts val="2910"/>
-              <a:buFont typeface="Wingdings" charset="0"/>
+              <a:buFont typeface="Wingdings" pitchFamily="0" charset="0"/>
               <a:buChar char="§"/>
               <a:tabLst/>
               <a:defRPr lang="de-de" sz="2800" b="0" i="0" baseline="0">
@@ -6118,7 +6018,7 @@
               <a:lnSpc>
                 <a:spcPct val="150000"/>
               </a:lnSpc>
-              <a:buFont typeface="Wingdings" charset="0"/>
+              <a:buFont typeface="Wingdings" pitchFamily="0" charset="0"/>
               <a:buChar char="§"/>
               <a:defRPr lang="de-de" sz="2000" b="0" i="0" baseline="0">
                 <a:solidFill>
@@ -6182,7 +6082,7 @@
           </a:p>
           <a:p>
             <a:pPr lvl="1">
-              <a:defRPr lang="de-de" b="0"/>
+              <a:defRPr lang="de-de"/>
             </a:pPr>
             <a:r>
               <a:t>No API to know if a sensor is being used outside of the app</a:t>
@@ -6190,7 +6090,7 @@
           </a:p>
           <a:p>
             <a:pPr lvl="1">
-              <a:defRPr lang="de-de" b="0"/>
+              <a:defRPr lang="de-de"/>
             </a:pPr>
             <a:r>
               <a:t>Required info present in system log</a:t>
@@ -6198,7 +6098,7 @@
           </a:p>
           <a:p>
             <a:pPr lvl="2">
-              <a:defRPr lang="de-de" b="0"/>
+              <a:defRPr lang="de-de"/>
             </a:pPr>
             <a:r>
               <a:t>But app has no read access</a:t>
@@ -6219,7 +6119,7 @@
             <a:spLocks noGrp="1" noChangeArrowheads="1"/>
             <a:extLst>
               <a:ext uri="smNativeData">
-                <pr:smNativeData xmlns:pr="smNativeData" xmlns:p14="http://schemas.microsoft.com/office/powerpoint/2010/main" xmlns="" val="SMDATA_13_ec9PYBMAAAAlAAAAZAAAAA0AAAAAAAAAAAAAAAAAAAAAAAAAAAAAAAAAAAAAAAAAAAEAAABQAAAAAAAAAAAA4D8AAAAAAADgPwAAAAAAAOA/AAAAAAAA4D8AAAAAAADgPwAAAAAAAOA/AAAAAAAA4D8AAAAAAADgPwAAAAAAAOA/AAAAAAAA4D8CAAAAjAAAAAAAAAAAAAAAT4G9DP///wgAAAAAAAAAAAAAAAAAAAAAAAAAAAAAAAAAAAAAZAAAAAEAAABAAAAAAAAAAAAAAAAAAAAAAAAAAAAAAAAAAAAAAAAAAAAAAAAAAAAAAAAAAAAAAAAAAAAAAAAAAAAAAAAAAAAAAAAAAAAAAAAAAAAAAAAAAAAAAAAAAAAAFAAAADwAAAAAAAAAAAAAAAAAAAkUAAAAAQAAABQAAAAUAAAAFAAAAAEAAAAAAAAAZAAAAGQAAAAAAAAAZAAAAGQAAAAVAAAAYAAAAAAAAAAAAAAADwAAACADAAAAAAAAAAAAAAEAAACgMgAAVgcAAKr4//8BAAAAf39/AAEAAABkAAAAAAAAABQAAABAHwAAAAAAACYAAAAAAAAAwOD//wAAAAAmAAAAZAAAABYAAABMAAAAAAAAAAAAAAAEAAAAAAAAAAEAAADu7OEKAAAAACgAAAAoAAAAZAAAAGQAAAAAAAAAzMzMAAAAAABQAAAAUAAAAGQAAABkAAAAAAAAABcAAAAUAAAAAAAAAAAAAAD/fwAA/38AAAAAAAAJAAAABAAAAAYJAAAMAAAAEAAAAAAAAAAAAAAAAAAAAAAAAAAeAAAAaAAAAAAAAAAAAAAAAAAAAAAAAAAAAAAAECcAABAnAAAAAAAAAAAAAAAAAAAAAAAAAAAAAAAAAAAAAAAAAAAAABQAAAAAAAAAwMD/AAAAAABkAAAAMgAAAAAAAABkAAAAAAAAAH9/fwAKAAAAHwAAAFQAAABPgb0F////AQAAAAAAAAAAAAAAAAAAAAAAAAAAAAAAAAAAAAAAAAAAAAAAAn9/fwDu7OEDzMzMAMDA/wB/f38AAAAAAAAAAAAAAAAAAAAAAAAAAAAhAAAAGAAAABQAAADqAQAA4DgAAPAKAACYOgAAEAAAACYAAAAIAAAAAQAAAAAAAAA="/>
+                <pr:smNativeData xmlns:pr="smNativeData" val="SMDATA_13_eIVQYBMAAAAlAAAAZAAAAA0AAAAAAAAAAAAAAAAAAAAAAAAAAAAAAAAAAAAAAAAAAAEAAABQAAAAAAAAAAAA4D8AAAAAAADgPwAAAAAAAOA/AAAAAAAA4D8AAAAAAADgPwAAAAAAAOA/AAAAAAAA4D8AAAAAAADgPwAAAAAAAOA/AAAAAAAA4D8CAAAAjAAAAAAAAAAAAAAA////AP///wgAAAAAAAAAAAAAAAAAAAAAAAAAAAAAAAAAAAAAeAAAAAEAAABAAAAAAAAAAAAAAABaAAAAAAAAAAAAAAAAAAAAAAAAAAAAAAAAAAAAAAAAAAAAAAAAAAAAAAAAAAAAAAAAAAAAAAAAAAAAAAAAAAAAAAAAAAAAAAAAAAAAFAAAADwAAAAAAAAAAAAAAAAAAAAPAAAAAQAAACMAAAAjAAAAIwAAAB4AAAAAAAAAZAAAAGQAAAAAAAAAZAAAAGQAAAAVAAAAYAAAAAAAAAAAAAAADwAAACADAAAAAAAAAAAAAAEAAACgMgAAVgcAAKr4//8BAAAAf39/AAEAAABkAAAAAAAAABQAAABAHwAAAAAAACYAAAAAAAAAwOD//wAAAAAmAAAAZAAAABYAAABMAAAAAAAAAAAAAAAEAAAAAAAAAAEAAADu7OEKAAAAACgAAAAoAAAAZAAAAGQAAAAAAAAAzMzMAAAAAABQAAAAUAAAAGQAAABkAAAAAAAAABcAAAAUAAAAAAAAAAAAAAD/fwAA/38AAAAAAAAJAAAABAAAAEEAQQAMAAAAEAAAAAAAAAAAAAAAAAAAAAAAAAAeAAAAaAAAAAAAAAAAAAAAAAAAAAAAAAAAAAAAECcAABAnAAAAAAAAAAAAAAAAAAAAAAAAAAAAAAAAAAAAAAAAAAAAABQAAAAAAAAAwMD/AAAAAABkAAAAMgAAAAAAAABkAAAAAAAAAH9/fwAKAAAAHwAAAFQAAAD///8A////AQAAAAAAAAAAAAAAAAAAAAAAAAAAAAAAAAAAAAAAAAAAAAAAAH9/fwDu7OEDzMzMAMDA/wB/f38AAAAAAAAAAAAAAAAAAAAAAAAAAAAhAAAAGAAAABQAAADqAQAA4DgAAPAKAACYOgAAEAAAACYAAAAIAAAAAAAAAAAAAAA="/>
               </a:ext>
             </a:extLst>
           </p:cNvSpPr>
@@ -6227,12 +6127,7 @@
             <p:ph type="dt" sz="half" idx="2"/>
           </p:nvPr>
         </p:nvSpPr>
-        <p:spPr>
-          <a:xfrm>
-            <a:off x="311150" y="9245600"/>
-            <a:ext cx="1466850" cy="279400"/>
-          </a:xfrm>
-        </p:spPr>
+        <p:spPr/>
         <p:txBody>
           <a:bodyPr/>
           <a:lstStyle/>
@@ -6253,7 +6148,7 @@
             <a:spLocks noGrp="1" noChangeArrowheads="1"/>
             <a:extLst>
               <a:ext uri="smNativeData">
-                <pr:smNativeData xmlns:pr="smNativeData" xmlns:p14="http://schemas.microsoft.com/office/powerpoint/2010/main" xmlns="" val="SMDATA_13_ec9PYBMAAAAlAAAAZAAAAA0AAAAAAAAAAAAAAAAAAAAAAAAAAAAAAAAAAAAAAAAAAAEAAABQAAAAAAAAAAAA4D8AAAAAAADgPwAAAAAAAOA/AAAAAAAA4D8AAAAAAADgPwAAAAAAAOA/AAAAAAAA4D8AAAAAAADgPwAAAAAAAOA/AAAAAAAA4D8CAAAAjAAAAAAAAAAAAAAAT4G9DP///wgAAAAAAAAAAAAAAAAAAAAAAAAAAAAAAAAAAAAAZAAAAAEAAABAAAAAAAAAAAAAAAAAAAAAAAAAAAAAAAAAAAAAAAAAAAAAAAAAAAAAAAAAAAAAAAAAAAAAAAAAAAAAAAAAAAAAAAAAAAAAAAAAAAAAAAAAAAAAAAAAAAAAFAAAADwAAAAAAAAAAAAAAAAAAAkUAAAAAQAAABQAAAAUAAAAFAAAAAEAAAAAAAAAZAAAAGQAAAAAAAAAZAAAAGQAAAAVAAAAYAAAAAAAAAAAAAAADwAAACADAAAAAAAAAAAAAAEAAACgMgAAVgcAAKr4//8BAAAAf39/AAEAAABkAAAAAAAAABQAAABAHwAAAAAAACYAAAAAAAAAwOD//wAAAAAmAAAAZAAAABYAAABMAAAAAAAAAAAAAAAEAAAAAAAAAAEAAADu7OEKAAAAACgAAAAoAAAAZAAAAGQAAAAAAAAAzMzMAAAAAABQAAAAUAAAAGQAAABkAAAAAAAAABcAAAAUAAAAAAAAAAAAAAD/fwAA/38AAAAAAAAJAAAABAAAAAAAAAAMAAAAEAAAAAAAAAAAAAAAAAAAAAAAAAAeAAAAaAAAAAAAAAAAAAAAAAAAAAAAAAAAAAAAECcAABAnAAAAAAAAAAAAAAAAAAAAAAAAAAAAAAAAAAAAAAAAAAAAABQAAAAAAAAAwMD/AAAAAABkAAAAMgAAAAAAAABkAAAAAAAAAH9/fwAKAAAAHwAAAFQAAABPgb0F////AQAAAAAAAAAAAAAAAAAAAAAAAAAAAAAAAAAAAAAAAAAAAAAAAn9/fwDu7OEDzMzMAMDA/wB/f38AAAAAAAAAAAAAAAAAAAAAAAAAAAAhAAAAGAAAABQAAADQSAAAGDkAABZOAACYOgAAEAAAACYAAAAIAAAAAAAAAAAAAAA="/>
+                <pr:smNativeData xmlns:pr="smNativeData" val="SMDATA_13_eIVQYBMAAAAlAAAAZAAAAA0AAAAAAAAAAAAAAAAAAAAAAAAAAAAAAAAAAAAAAAAAAAEAAABQAAAAAAAAAAAA4D8AAAAAAADgPwAAAAAAAOA/AAAAAAAA4D8AAAAAAADgPwAAAAAAAOA/AAAAAAAA4D8AAAAAAADgPwAAAAAAAOA/AAAAAAAA4D8CAAAAjAAAAAAAAAAAAAAA////AP///wgAAAAAAAAAAAAAAAAAAAAAAAAAAAAAAAAAAAAAeAAAAAEAAABAAAAAAAAAAAAAAABaAAAAAAAAAAAAAAAAAAAAAAAAAAAAAAAAAAAAAAAAAAAAAAAAAAAAAAAAAAAAAAAAAAAAAAAAAAAAAAAAAAAAAAAAAAAAAAAAAAAAFAAAADwAAAAAAAAAAAAAAAAAAAAPAAAAAQAAACMAAAAjAAAAIwAAAB4AAAAAAAAAZAAAAGQAAAAAAAAAZAAAAGQAAAAVAAAAYAAAAAAAAAAAAAAADwAAACADAAAAAAAAAAAAAAEAAACgMgAAVgcAAKr4//8BAAAAf39/AAEAAABkAAAAAAAAABQAAABAHwAAAAAAACYAAAAAAAAAwOD//wAAAAAmAAAAZAAAABYAAABMAAAAAAAAAAAAAAAEAAAAAAAAAAEAAADu7OEKAAAAACgAAAAoAAAAZAAAAGQAAAAAAAAAzMzMAAAAAABQAAAAUAAAAGQAAABkAAAAAAAAABcAAAAUAAAAAAAAAAAAAAD/fwAA/38AAAAAAAAJAAAABAAAAAAAAAAMAAAAEAAAAAAAAAAAAAAAAAAAAAAAAAAeAAAAaAAAAAAAAAAAAAAAAAAAAAAAAAAAAAAAECcAABAnAAAAAAAAAAAAAAAAAAAAAAAAAAAAAAAAAAAAAAAAAAAAABQAAAAAAAAAwMD/AAAAAABkAAAAMgAAAAAAAABkAAAAAAAAAH9/fwAKAAAAHwAAAFQAAAD///8A////AQAAAAAAAAAAAAAAAAAAAAAAAAAAAAAAAAAAAAAAAAAAAAAAAH9/fwDu7OEDzMzMAMDA/wB/f38AAAAAAAAAAAAAAAAAAAAAAAAAAAAhAAAAGAAAABQAAADQSAAAGDkAABZOAACYOgAAEAAAACYAAAAIAAAAAAAAAAAAAAA="/>
               </a:ext>
             </a:extLst>
           </p:cNvSpPr>
@@ -6269,10 +6164,9 @@
             <a:pPr>
               <a:defRPr lang="de-de"/>
             </a:pPr>
-            <a:fld id="{5994FB0E-40B4-C10D-FA2C-B658B5620CE3}" type="slidenum">
+            <a:fld id="{4A8BD310-5EA7-DE25-E933-A8709D7D1FFD}" type="slidenum">
               <a:t>14</a:t>
             </a:fld>
-            <a:endParaRPr/>
           </a:p>
         </p:txBody>
       </p:sp>
@@ -6281,11 +6175,18 @@
   <p:clrMapOvr>
     <a:masterClrMapping/>
   </p:clrMapOvr>
+  <p:timing>
+    <p:tnLst>
+      <p:par>
+        <p:cTn id="1" dur="indefinite" restart="never" nodeType="tmRoot"/>
+      </p:par>
+    </p:tnLst>
+  </p:timing>
 </p:sld>
 </file>
 
 <file path=ppt/slides/slide15.xml><?xml version="1.0" encoding="utf-8"?>
-<p:sld xmlns:a="http://schemas.openxmlformats.org/drawingml/2006/main" xmlns:r="http://schemas.openxmlformats.org/officeDocument/2006/relationships" xmlns:p="http://schemas.openxmlformats.org/presentationml/2006/main">
+<p:sld xmlns:p="http://schemas.openxmlformats.org/presentationml/2006/main" xmlns:p14="http://schemas.microsoft.com/office/powerpoint/2010/main" xmlns:r="http://schemas.openxmlformats.org/officeDocument/2006/relationships" xmlns:a="http://schemas.openxmlformats.org/drawingml/2006/main">
   <p:cSld>
     <p:spTree>
       <p:nvGrpSpPr>
@@ -6308,7 +6209,7 @@
             <a:spLocks noGrp="1" noChangeArrowheads="1"/>
             <a:extLst>
               <a:ext uri="smNativeData">
-                <pr:smNativeData xmlns:pr="smNativeData" xmlns:p14="http://schemas.microsoft.com/office/powerpoint/2010/main" xmlns="" val="SMDATA_13_ec9PYBMAAAAlAAAAZAAAAE0AAAAAAAAAAAAAAAAAAAAAAAAAAAAAAAAAAAAAAAAAAAEAAABQAAAAAAAAAAAA4D8AAAAAAADgPwAAAAAAAOA/AAAAAAAA4D8AAAAAAADgPwAAAAAAAOA/AAAAAAAA4D8AAAAAAADgPwAAAAAAAOA/AAAAAAAA4D8CAAAAjAAAAAAAAAAAAAAAT4G9DP///wgAAAAAAAAAAAAAAAAAAAAAAAAAAAAAAAAAAAAAZAAAAAEAAABAAAAAAAAAAAAAAAAAAAAAAAAAAAAAAAAAAAAAAAAAAAAAAAAAAAAAAAAAAAAAAAAAAAAAAAAAAAAAAAAAAAAAAAAAAAAAAAAAAAAAAAAAAAAAAAAAAAAAFAAAADwAAAAAAAAAAAAAAAAAAAkUAAAAAQAAABQAAAAUAAAAFAAAAAEAAAAAAAAAZAAAAGQAAAAAAAAAZAAAAGQAAAAVAAAAYAAAAAAAAAAAAAAADwAAACADAAAAAAAAAAAAAAEAAACgMgAAVgcAAKr4//8BAAAAf39/AAEAAABkAAAAAAAAABQAAABAHwAAAAAAACYAAAAAAAAAwOD//wAAAAAmAAAAZAAAABYAAABMAAAAAAAAAAAAAAAEAAAAAAAAAAEAAADu7OEKAAAAACgAAAAoAAAAZAAAAGQAAAAAAAAAzMzMAAAAAABQAAAAUAAAAGQAAABkAAAAAAAAABcAAAAUAAAAAAAAAAAAAAD/fwAA/38AAAAAAAAJAAAABAAAAP/nDiYMAAAAEAAAAAAAAAAAAAAAAAAAAAAAAAAeAAAAaAAAAAAAAAAAAAAAAAAAAAAAAAAAAAAAECcAABAnAAAAAAAAAAAAAAAAAAAAAAAAAAAAAAAAAAAAAAAAAAAAABQAAAAAAAAAwMD/AAAAAABkAAAAMgAAAAAAAABkAAAAAAAAAH9/fwAKAAAAHwAAAFQAAABPgb0F////AQAAAAAAAAAAAAAAAAAAAAAAAAAAAAAAAAAAAAAAAAAAAAAAAn9/fwDu7OEDzMzMAMDA/wB/f38AAAAAAAAAAAAAAAAAAAAAAAAAAAAhAAAAGAAAABQAAADIBQAAiQsAAHpIAACpDwAAACAAACYAAAAIAAAAAQAAAAAAAAA="/>
+                <pr:smNativeData xmlns:pr="smNativeData" val="SMDATA_13_eIVQYBMAAAAlAAAAZAAAAA0AAAAAAAAAAAAAAAAAAAAAAAAAAAAAAAAAAAAAAAAAAAEAAABQAAAAAAAAAAAA4D8AAAAAAADgPwAAAAAAAOA/AAAAAAAA4D8AAAAAAADgPwAAAAAAAOA/AAAAAAAA4D8AAAAAAADgPwAAAAAAAOA/AAAAAAAA4D8CAAAAjAAAAAAAAAAAAAAA////AP///wgAAAAAAAAAAAAAAAAAAAAAAAAAAAAAAAAAAAAAeAAAAAEAAABAAAAAAAAAAAAAAABaAAAAAAAAAAAAAAAAAAAAAAAAAAAAAAAAAAAAAAAAAAAAAAAAAAAAAAAAAAAAAAAAAAAAAAAAAAAAAAAAAAAAAAAAAAAAAAAAAAAAFAAAADwAAAAAAAAAAAAAAAAAAAAPAAAAAQAAACMAAAAjAAAAIwAAAB4AAAAAAAAAZAAAAGQAAAAAAAAAZAAAAGQAAAAVAAAAYAAAAAAAAAAAAAAADwAAACADAAAAAAAAAAAAAAEAAACgMgAAVgcAAKr4//8BAAAAf39/AAEAAABkAAAAAAAAABQAAABAHwAAAAAAACYAAAAAAAAAwOD//wAAAAAmAAAAZAAAABYAAABMAAAAAAAAAAAAAAAEAAAAAAAAAAEAAADu7OEKAAAAACgAAAAoAAAAZAAAAGQAAAAAAAAAzMzMAAAAAABQAAAAUAAAAGQAAABkAAAAAAAAABcAAAAUAAAAAAAAAAAAAAD/fwAA/38AAAAAAAAJAAAABAAAAGwAAAAMAAAAEAAAAAAAAAAAAAAAAAAAAAAAAAAeAAAAaAAAAAAAAAAAAAAAAAAAAAAAAAAAAAAAECcAABAnAAAAAAAAAAAAAAAAAAAAAAAAAAAAAAAAAAAAAAAAAAAAABQAAAAAAAAAwMD/AAAAAABkAAAAMgAAAAAAAABkAAAAAAAAAH9/fwAKAAAAHwAAAFQAAAD///8A////AQAAAAAAAAAAAAAAAAAAAAAAAAAAAAAAAAAAAAAAAAAAAAAAAH9/fwDu7OEDzMzMAMDA/wB/f38AAAAAAAAAAAAAAAAAAAAAAAAAAAAhAAAAGAAAABQAAADIBQAAiQsAAHpIAACpDwAAEAAAACYAAAAIAAAAAQAAAAAAAAA="/>
               </a:ext>
             </a:extLst>
           </p:cNvSpPr>
@@ -6342,7 +6243,7 @@
             <a:spLocks noGrp="1" noChangeArrowheads="1"/>
             <a:extLst>
               <a:ext uri="smNativeData">
-                <pr:smNativeData xmlns:pr="smNativeData" xmlns:p14="http://schemas.microsoft.com/office/powerpoint/2010/main" xmlns="" val="SMDATA_13_ec9PYBMAAAAlAAAAZAAAAE0AAAAAAAAAAAAAAAAAAAAAAAAAAAAAAAAAAAAAAAAAAAEAAABQAAAAAAAAAAAA4D8AAAAAAADgPwAAAAAAAOA/AAAAAAAA4D8AAAAAAADgPwAAAAAAAOA/AAAAAAAA4D8AAAAAAADgPwAAAAAAAOA/AAAAAAAA4D8CAAAAjAAAAAAAAAAAAAAAT4G9DP///wgAAAAAAAAAAAAAAAAAAAAAAAAAAAAAAAAAAAAAZAAAAAEAAABAAAAAAAAAAAAAAAAAAAAAAAAAAAAAAAAAAAAAAAAAAAAAAAAAAAAAAAAAAAAAAAAAAAAAAAAAAAAAAAAAAAAAAAAAAAAAAAAAAAAAAAAAAAAAAAAAAAAAFAAAADwAAAAAAAAAAAAAAAAAAAkUAAAAAQAAABQAAAAUAAAAFAAAAAEAAAAAAAAAZAAAAGQAAAAAAAAAZAAAAGQAAAAVAAAAYAAAAAAAAAAAAAAADwAAACADAAAAAAAAAAAAAAEAAACgMgAAVgcAAKr4//8BAAAAf39/AAEAAABkAAAAAAAAABQAAABAHwAAAAAAACYAAAAAAAAAwOD//wAAAAAmAAAAZAAAABYAAABMAAAAAAAAAAAAAAAEAAAAAAAAAAEAAADu7OEKAAAAACgAAAAoAAAAZAAAAGQAAAAAAAAAzMzMAAAAAABQAAAAUAAAAGQAAABkAAAAAAAAABcAAAAUAAAAAAAAAAAAAAD/fwAA/38AAAAAAAAJAAAABAAAAAAAAAAMAAAAEAAAAAAAAAAAAAAAAAAAAAAAAAAeAAAAaAAAAAAAAAAAAAAAAAAAAAAAAAAAAAAAECcAABAnAAAAAAAAAAAAAAAAAAAAAAAAAAAAAAAAAAAAAAAAAAAAABQAAAAAAAAAwMD/AAAAAABkAAAAMgAAAAAAAABkAAAAAAAAAH9/fwAKAAAAHwAAAFQAAABPgb0F////AQAAAAAAAAAAAAAAAAAAAAAAAAAAAAAAAAAAAAAAAAAAAAAAAn9/fwDu7OEDzMzMAMDA/wB/f38AAAAAAAAAAAAAAAAAAAAAAAAAAAAhAAAAGAAAABQAAADIBQAAwBIAAHpIAACoPAAAACAAACYAAAAIAAAAAYAAAAAAAAA="/>
+                <pr:smNativeData xmlns:pr="smNativeData" val="SMDATA_13_eIVQYBMAAAAlAAAAZAAAAA0AAAAAAAAAAAAAAAAAAAAAAAAAAAAAAAAAAAAAAAAAAAEAAABQAAAAAAAAAAAA4D8AAAAAAADgPwAAAAAAAOA/AAAAAAAA4D8AAAAAAADgPwAAAAAAAOA/AAAAAAAA4D8AAAAAAADgPwAAAAAAAOA/AAAAAAAA4D8CAAAAjAAAAAAAAAAAAAAA////AP///wgAAAAAAAAAAAAAAAAAAAAAAAAAAAAAAAAAAAAAeAAAAAEAAABAAAAAAAAAAAAAAABaAAAAAAAAAAAAAAAAAAAAAAAAAAAAAAAAAAAAAAAAAAAAAAAAAAAAAAAAAAAAAAAAAAAAAAAAAAAAAAAAAAAAAAAAAAAAAAAAAAAAFAAAADwAAAAAAAAAAAAAAAAAAAAPAAAAAQAAACMAAAAjAAAAIwAAAB4AAAAAAAAAZAAAAGQAAAAAAAAAZAAAAGQAAAAVAAAAYAAAAAAAAAAAAAAADwAAACADAAAAAAAAAAAAAAEAAACgMgAAVgcAAKr4//8BAAAAf39/AAEAAABkAAAAAAAAABQAAABAHwAAAAAAACYAAAAAAAAAwOD//wAAAAAmAAAAZAAAABYAAABMAAAAAAAAAAAAAAAEAAAAAAAAAAEAAADu7OEKAAAAACgAAAAoAAAAZAAAAGQAAAAAAAAAzMzMAAAAAABQAAAAUAAAAGQAAABkAAAAAAAAABcAAAAUAAAAAAAAAAAAAAD/fwAA/38AAAAAAAAJAAAABAAAAAAAAAAMAAAAEAAAAAAAAAAAAAAAAAAAAAAAAAAeAAAAaAAAAAAAAAAAAAAAAAAAAAAAAAAAAAAAECcAABAnAAAAAAAAAAAAAAAAAAAAAAAAAAAAAAAAAAAAAAAAAAAAABQAAAAAAAAAwMD/AAAAAABkAAAAMgAAAAAAAABkAAAAAAAAAH9/fwAKAAAAHwAAAFQAAAD///8A////AQAAAAAAAAAAAAAAAAAAAAAAAAAAAAAAAAAAAAAAAAAAAAAAAH9/fwDu7OEDzMzMAMDA/wB/f38AAAAAAAAAAAAAAAAAAAAAAAAAAAAhAAAAGAAAABQAAADIBQAAwBIAAHpIAACoPAAAEAAAACYAAAAIAAAAAYAAAAAAAAA="/>
               </a:ext>
             </a:extLst>
           </p:cNvSpPr>
@@ -6370,7 +6271,7 @@
                 <a:schemeClr val="accent1"/>
               </a:buClr>
               <a:buSzPts val="2910"/>
-              <a:buFont typeface="Wingdings" charset="0"/>
+              <a:buFont typeface="Wingdings" pitchFamily="0" charset="0"/>
               <a:buChar char="§"/>
               <a:tabLst/>
               <a:defRPr lang="de-de" sz="2800" b="0" i="0" baseline="0">
@@ -6401,7 +6302,7 @@
               <a:lnSpc>
                 <a:spcPct val="150000"/>
               </a:lnSpc>
-              <a:buFont typeface="Wingdings" charset="0"/>
+              <a:buFont typeface="Wingdings" pitchFamily="0" charset="0"/>
               <a:buChar char="§"/>
               <a:defRPr lang="de-de" sz="2000" b="0" i="0" baseline="0">
                 <a:solidFill>
@@ -6433,7 +6334,7 @@
           </a:lstStyle>
           <a:p>
             <a:pPr>
-              <a:defRPr lang="de-de" b="0"/>
+              <a:defRPr lang="de-de"/>
             </a:pPr>
             <a:r>
               <a:t>Advantages</a:t>
@@ -6441,7 +6342,7 @@
           </a:p>
           <a:p>
             <a:pPr lvl="1">
-              <a:defRPr lang="de-de" b="0"/>
+              <a:defRPr lang="de-de"/>
             </a:pPr>
             <a:r>
               <a:t>Good granularity of feedback</a:t>
@@ -6449,7 +6350,7 @@
           </a:p>
           <a:p>
             <a:pPr lvl="2">
-              <a:defRPr lang="de-de" b="0"/>
+              <a:defRPr lang="de-de"/>
             </a:pPr>
             <a:r>
               <a:t>Different combinations/intensities of feedback</a:t>
@@ -6457,7 +6358,7 @@
           </a:p>
           <a:p>
             <a:pPr lvl="1">
-              <a:defRPr lang="de-de" b="0"/>
+              <a:defRPr lang="de-de"/>
             </a:pPr>
             <a:r>
               <a:t>Gives control to user</a:t>
@@ -6465,7 +6366,7 @@
           </a:p>
           <a:p>
             <a:pPr lvl="2">
-              <a:defRPr lang="de-de" b="0"/>
+              <a:defRPr lang="de-de"/>
             </a:pPr>
             <a:r>
               <a:t>Can suspend sensor access with timer</a:t>
@@ -6473,7 +6374,7 @@
           </a:p>
           <a:p>
             <a:pPr lvl="1">
-              <a:defRPr lang="de-de" b="0"/>
+              <a:defRPr lang="de-de"/>
             </a:pPr>
             <a:r>
               <a:t>Designed to be shared</a:t>
@@ -6481,7 +6382,7 @@
           </a:p>
           <a:p>
             <a:pPr lvl="2">
-              <a:defRPr lang="de-de" b="0"/>
+              <a:defRPr lang="de-de"/>
             </a:pPr>
             <a:r>
               <a:t>Separated Watch Face + App</a:t>
@@ -6489,7 +6390,7 @@
           </a:p>
           <a:p>
             <a:pPr>
-              <a:defRPr lang="de-de" b="0"/>
+              <a:defRPr lang="de-de"/>
             </a:pPr>
             <a:r>
               <a:t>Limits</a:t>
@@ -6497,7 +6398,7 @@
           </a:p>
           <a:p>
             <a:pPr lvl="1">
-              <a:defRPr lang="de-de" b="0"/>
+              <a:defRPr lang="de-de"/>
             </a:pPr>
             <a:r>
               <a:t>Less generic that first approach</a:t>
@@ -6505,7 +6406,7 @@
           </a:p>
           <a:p>
             <a:pPr lvl="1">
-              <a:defRPr lang="de-de" b="0"/>
+              <a:defRPr lang="de-de"/>
             </a:pPr>
             <a:r>
               <a:t>Still only a prototype</a:t>
@@ -6513,7 +6414,7 @@
           </a:p>
           <a:p>
             <a:pPr lvl="1">
-              <a:defRPr lang="de-de" b="0"/>
+              <a:defRPr lang="de-de"/>
             </a:pPr>
             <a:r>
               <a:t>Can be bypassed by user</a:t>
@@ -6534,7 +6435,7 @@
             <a:spLocks noGrp="1" noChangeArrowheads="1"/>
             <a:extLst>
               <a:ext uri="smNativeData">
-                <pr:smNativeData xmlns:pr="smNativeData" xmlns:p14="http://schemas.microsoft.com/office/powerpoint/2010/main" xmlns="" val="SMDATA_13_ec9PYBMAAAAlAAAAZAAAAA0AAAAAAAAAAAAAAAAAAAAAAAAAAAAAAAAAAAAAAAAAAAEAAABQAAAAAAAAAAAA4D8AAAAAAADgPwAAAAAAAOA/AAAAAAAA4D8AAAAAAADgPwAAAAAAAOA/AAAAAAAA4D8AAAAAAADgPwAAAAAAAOA/AAAAAAAA4D8CAAAAjAAAAAAAAAAAAAAAT4G9DP///wgAAAAAAAAAAAAAAAAAAAAAAAAAAAAAAAAAAAAAZAAAAAEAAABAAAAAAAAAAAAAAAAAAAAAAAAAAAAAAAAAAAAAAAAAAAAAAAAAAAAAAAAAAAAAAAAAAAAAAAAAAAAAAAAAAAAAAAAAAAAAAAAAAAAAAAAAAAAAAAAAAAAAFAAAADwAAAAAAAAAAAAAAAAAAAkUAAAAAQAAABQAAAAUAAAAFAAAAAEAAAAAAAAAZAAAAGQAAAAAAAAAZAAAAGQAAAAVAAAAYAAAAAAAAAAAAAAADwAAACADAAAAAAAAAAAAAAEAAACgMgAAVgcAAKr4//8BAAAAf39/AAEAAABkAAAAAAAAABQAAABAHwAAAAAAACYAAAAAAAAAwOD//wAAAAAmAAAAZAAAABYAAABMAAAAAAAAAAAAAAAEAAAAAAAAAAEAAADu7OEKAAAAACgAAAAoAAAAZAAAAGQAAAAAAAAAzMzMAAAAAABQAAAAUAAAAGQAAABkAAAAAAAAABcAAAAUAAAAAAAAAAAAAAD/fwAA/38AAAAAAAAJAAAABAAAAOwEAAAMAAAAEAAAAAAAAAAAAAAAAAAAAAAAAAAeAAAAaAAAAAAAAAAAAAAAAAAAAAAAAAAAAAAAECcAABAnAAAAAAAAAAAAAAAAAAAAAAAAAAAAAAAAAAAAAAAAAAAAABQAAAAAAAAAwMD/AAAAAABkAAAAMgAAAAAAAABkAAAAAAAAAH9/fwAKAAAAHwAAAFQAAABPgb0F////AQAAAAAAAAAAAAAAAAAAAAAAAAAAAAAAAAAAAAAAAAAAAAAAAn9/fwDu7OEDzMzMAMDA/wB/f38AAAAAAAAAAAAAAAAAAAAAAAAAAAAhAAAAGAAAABQAAADqAQAA4DgAAPAKAACYOgAAEAAAACYAAAAIAAAAAQAAAAAAAAA="/>
+                <pr:smNativeData xmlns:pr="smNativeData" val="SMDATA_13_eIVQYBMAAAAlAAAAZAAAAA0AAAAAAAAAAAAAAAAAAAAAAAAAAAAAAAAAAAAAAAAAAAEAAABQAAAAAAAAAAAA4D8AAAAAAADgPwAAAAAAAOA/AAAAAAAA4D8AAAAAAADgPwAAAAAAAOA/AAAAAAAA4D8AAAAAAADgPwAAAAAAAOA/AAAAAAAA4D8CAAAAjAAAAAAAAAAAAAAA////AP///wgAAAAAAAAAAAAAAAAAAAAAAAAAAAAAAAAAAAAAeAAAAAEAAABAAAAAAAAAAAAAAABaAAAAAAAAAAAAAAAAAAAAAAAAAAAAAAAAAAAAAAAAAAAAAAAAAAAAAAAAAAAAAAAAAAAAAAAAAAAAAAAAAAAAAAAAAAAAAAAAAAAAFAAAADwAAAAAAAAAAAAAAAAAAAAPAAAAAQAAACMAAAAjAAAAIwAAAB4AAAAAAAAAZAAAAGQAAAAAAAAAZAAAAGQAAAAVAAAAYAAAAAAAAAAAAAAADwAAACADAAAAAAAAAAAAAAEAAACgMgAAVgcAAKr4//8BAAAAf39/AAEAAABkAAAAAAAAABQAAABAHwAAAAAAACYAAAAAAAAAwOD//wAAAAAmAAAAZAAAABYAAABMAAAAAAAAAAAAAAAEAAAAAAAAAAEAAADu7OEKAAAAACgAAAAoAAAAZAAAAGQAAAAAAAAAzMzMAAAAAABQAAAAUAAAAGQAAABkAAAAAAAAABcAAAAUAAAAAAAAAAAAAAD/fwAA/38AAAAAAAAJAAAABAAAAAAAAAAMAAAAEAAAAAAAAAAAAAAAAAAAAAAAAAAeAAAAaAAAAAAAAAAAAAAAAAAAAAAAAAAAAAAAECcAABAnAAAAAAAAAAAAAAAAAAAAAAAAAAAAAAAAAAAAAAAAAAAAABQAAAAAAAAAwMD/AAAAAABkAAAAMgAAAAAAAABkAAAAAAAAAH9/fwAKAAAAHwAAAFQAAAD///8A////AQAAAAAAAAAAAAAAAAAAAAAAAAAAAAAAAAAAAAAAAAAAAAAAAH9/fwDu7OEDzMzMAMDA/wB/f38AAAAAAAAAAAAAAAAAAAAAAAAAAAAhAAAAGAAAABQAAADqAQAA4DgAAPAKAACYOgAAEAAAACYAAAAIAAAAAAAAAAAAAAA="/>
               </a:ext>
             </a:extLst>
           </p:cNvSpPr>
@@ -6542,12 +6443,7 @@
             <p:ph type="dt" sz="half" idx="2"/>
           </p:nvPr>
         </p:nvSpPr>
-        <p:spPr>
-          <a:xfrm>
-            <a:off x="311150" y="9245600"/>
-            <a:ext cx="1466850" cy="279400"/>
-          </a:xfrm>
-        </p:spPr>
+        <p:spPr/>
         <p:txBody>
           <a:bodyPr/>
           <a:lstStyle/>
@@ -6568,7 +6464,7 @@
             <a:spLocks noGrp="1" noChangeArrowheads="1"/>
             <a:extLst>
               <a:ext uri="smNativeData">
-                <pr:smNativeData xmlns:pr="smNativeData" xmlns:p14="http://schemas.microsoft.com/office/powerpoint/2010/main" xmlns="" val="SMDATA_13_ec9PYBMAAAAlAAAAZAAAAA0AAAAAAAAAAAAAAAAAAAAAAAAAAAAAAAAAAAAAAAAAAAEAAABQAAAAAAAAAAAA4D8AAAAAAADgPwAAAAAAAOA/AAAAAAAA4D8AAAAAAADgPwAAAAAAAOA/AAAAAAAA4D8AAAAAAADgPwAAAAAAAOA/AAAAAAAA4D8CAAAAjAAAAAAAAAAAAAAAT4G9DP///wgAAAAAAAAAAAAAAAAAAAAAAAAAAAAAAAAAAAAAZAAAAAEAAABAAAAAAAAAAAAAAAAAAAAAAAAAAAAAAAAAAAAAAAAAAAAAAAAAAAAAAAAAAAAAAAAAAAAAAAAAAAAAAAAAAAAAAAAAAAAAAAAAAAAAAAAAAAAAAAAAAAAAFAAAADwAAAAAAAAAAAAAAAAAAAkUAAAAAQAAABQAAAAUAAAAFAAAAAEAAAAAAAAAZAAAAGQAAAAAAAAAZAAAAGQAAAAVAAAAYAAAAAAAAAAAAAAADwAAACADAAAAAAAAAAAAAAEAAACgMgAAVgcAAKr4//8BAAAAf39/AAEAAABkAAAAAAAAABQAAABAHwAAAAAAACYAAAAAAAAAwOD//wAAAAAmAAAAZAAAABYAAABMAAAAAAAAAAAAAAAEAAAAAAAAAAEAAADu7OEKAAAAACgAAAAoAAAAZAAAAGQAAAAAAAAAzMzMAAAAAABQAAAAUAAAAGQAAABkAAAAAAAAABcAAAAUAAAAAAAAAAAAAAD/fwAA/38AAAAAAAAJAAAABAAAAGwAAAAMAAAAEAAAAAAAAAAAAAAAAAAAAAAAAAAeAAAAaAAAAAAAAAAAAAAAAAAAAAAAAAAAAAAAECcAABAnAAAAAAAAAAAAAAAAAAAAAAAAAAAAAAAAAAAAAAAAAAAAABQAAAAAAAAAwMD/AAAAAABkAAAAMgAAAAAAAABkAAAAAAAAAH9/fwAKAAAAHwAAAFQAAABPgb0F////AQAAAAAAAAAAAAAAAAAAAAAAAAAAAAAAAAAAAAAAAAAAAAAAAn9/fwDu7OEDzMzMAMDA/wB/f38AAAAAAAAAAAAAAAAAAAAAAAAAAAAhAAAAGAAAABQAAADQSAAAGDkAABZOAACYOgAAEAAAACYAAAAIAAAAAAAAAAAAAAA="/>
+                <pr:smNativeData xmlns:pr="smNativeData" val="SMDATA_13_eIVQYBMAAAAlAAAAZAAAAA0AAAAAAAAAAAAAAAAAAAAAAAAAAAAAAAAAAAAAAAAAAAEAAABQAAAAAAAAAAAA4D8AAAAAAADgPwAAAAAAAOA/AAAAAAAA4D8AAAAAAADgPwAAAAAAAOA/AAAAAAAA4D8AAAAAAADgPwAAAAAAAOA/AAAAAAAA4D8CAAAAjAAAAAAAAAAAAAAA////AP///wgAAAAAAAAAAAAAAAAAAAAAAAAAAAAAAAAAAAAAeAAAAAEAAABAAAAAAAAAAAAAAABaAAAAAAAAAAAAAAAAAAAAAAAAAAAAAAAAAAAAAAAAAAAAAAAAAAAAAAAAAAAAAAAAAAAAAAAAAAAAAAAAAAAAAAAAAAAAAAAAAAAAFAAAADwAAAAAAAAAAAAAAAAAAAAPAAAAAQAAACMAAAAjAAAAIwAAAB4AAAAAAAAAZAAAAGQAAAAAAAAAZAAAAGQAAAAVAAAAYAAAAAAAAAAAAAAADwAAACADAAAAAAAAAAAAAAEAAACgMgAAVgcAAKr4//8BAAAAf39/AAEAAABkAAAAAAAAABQAAABAHwAAAAAAACYAAAAAAAAAwOD//wAAAAAmAAAAZAAAABYAAABMAAAAAAAAAAAAAAAEAAAAAAAAAAEAAADu7OEKAAAAACgAAAAoAAAAZAAAAGQAAAAAAAAAzMzMAAAAAABQAAAAUAAAAGQAAABkAAAAAAAAABcAAAAUAAAAAAAAAAAAAAD/fwAA/38AAAAAAAAJAAAABAAAAAAAAAAMAAAAEAAAAAAAAAAAAAAAAAAAAAAAAAAeAAAAaAAAAAAAAAAAAAAAAAAAAAAAAAAAAAAAECcAABAnAAAAAAAAAAAAAAAAAAAAAAAAAAAAAAAAAAAAAAAAAAAAABQAAAAAAAAAwMD/AAAAAABkAAAAMgAAAAAAAABkAAAAAAAAAH9/fwAKAAAAHwAAAFQAAAD///8A////AQAAAAAAAAAAAAAAAAAAAAAAAAAAAAAAAAAAAAAAAAAAAAAAAH9/fwDu7OEDzMzMAMDA/wB/f38AAAAAAAAAAAAAAAAAAAAAAAAAAAAhAAAAGAAAABQAAADQSAAAGDkAABZOAACYOgAAEAAAACYAAAAIAAAAAAAAAAAAAAA="/>
               </a:ext>
             </a:extLst>
           </p:cNvSpPr>
@@ -6584,10 +6480,9 @@
             <a:pPr>
               <a:defRPr lang="de-de"/>
             </a:pPr>
-            <a:fld id="{052116EA-A4E8-74E0-A699-52B558D75007}" type="slidenum">
+            <a:fld id="{3D785376-38D0-2DA5-9EC0-CEF01D8E689B}" type="slidenum">
               <a:t>15</a:t>
             </a:fld>
-            <a:endParaRPr/>
           </a:p>
         </p:txBody>
       </p:sp>
@@ -6596,11 +6491,18 @@
   <p:clrMapOvr>
     <a:masterClrMapping/>
   </p:clrMapOvr>
+  <p:timing>
+    <p:tnLst>
+      <p:par>
+        <p:cTn id="1" dur="indefinite" restart="never" nodeType="tmRoot"/>
+      </p:par>
+    </p:tnLst>
+  </p:timing>
 </p:sld>
 </file>
 
 <file path=ppt/slides/slide16.xml><?xml version="1.0" encoding="utf-8"?>
-<p:sld xmlns:a="http://schemas.openxmlformats.org/drawingml/2006/main" xmlns:r="http://schemas.openxmlformats.org/officeDocument/2006/relationships" xmlns:p="http://schemas.openxmlformats.org/presentationml/2006/main">
+<p:sld xmlns:p="http://schemas.openxmlformats.org/presentationml/2006/main" xmlns:p14="http://schemas.microsoft.com/office/powerpoint/2010/main" xmlns:r="http://schemas.openxmlformats.org/officeDocument/2006/relationships" xmlns:a="http://schemas.openxmlformats.org/drawingml/2006/main">
   <p:cSld>
     <p:spTree>
       <p:nvGrpSpPr>
@@ -6623,7 +6525,7 @@
             <a:spLocks noGrp="1" noChangeArrowheads="1"/>
             <a:extLst>
               <a:ext uri="smNativeData">
-                <pr:smNativeData xmlns:pr="smNativeData" xmlns:p14="http://schemas.microsoft.com/office/powerpoint/2010/main" xmlns="" val="SMDATA_13_ec9PYBMAAAAlAAAAZAAAAE0AAAAAAAAAAAAAAAAAAAAAAAAAAAAAAAAAAAAAAAAAAAEAAABQAAAAAAAAAAAA4D8AAAAAAADgPwAAAAAAAOA/AAAAAAAA4D8AAAAAAADgPwAAAAAAAOA/AAAAAAAA4D8AAAAAAADgPwAAAAAAAOA/AAAAAAAA4D8CAAAAjAAAAAAAAAAAAAAAT4G9DP///wgAAAAAAAAAAAAAAAAAAAAAAAAAAAAAAAAAAAAAZAAAAAEAAABAAAAAAAAAAAAAAAAAAAAAAAAAAAAAAAAAAAAAAAAAAAAAAAAAAAAAAAAAAAAAAAAAAAAAAAAAAAAAAAAAAAAAAAAAAAAAAAAAAAAAAAAAAAAAAAAAAAAAFAAAADwAAAAAAAAAAAAAAAAAAAkUAAAAAQAAABQAAAAUAAAAFAAAAAEAAAAAAAAAZAAAAGQAAAAAAAAAZAAAAGQAAAAVAAAAYAAAAAAAAAAAAAAADwAAACADAAAAAAAAAAAAAAEAAACgMgAAVgcAAKr4//8BAAAAf39/AAEAAABkAAAAAAAAABQAAABAHwAAAAAAACYAAAAAAAAAwOD//wAAAAAmAAAAZAAAABYAAABMAAAAAAAAAAAAAAAEAAAAAAAAAAEAAADu7OEKAAAAACgAAAAoAAAAZAAAAGQAAAAAAAAAzMzMAAAAAABQAAAAUAAAAGQAAABkAAAAAAAAABcAAAAUAAAAAAAAAAAAAAD/fwAA/38AAAAAAAAJAAAABAAAAAAAAAAMAAAAEAAAAAAAAAAAAAAAAAAAAAAAAAAeAAAAaAAAAAAAAAAAAAAAAAAAAAAAAAAAAAAAECcAABAnAAAAAAAAAAAAAAAAAAAAAAAAAAAAAAAAAAAAAAAAAAAAABQAAAAAAAAAwMD/AAAAAABkAAAAMgAAAAAAAABkAAAAAAAAAH9/fwAKAAAAHwAAAFQAAABPgb0F////AQAAAAAAAAAAAAAAAAAAAAAAAAAAAAAAAAAAAAAAAAAAAAAAAn9/fwDu7OEDzMzMAMDA/wB/f38AAAAAAAAAAAAAAAAAAAAAAAAAAAAhAAAAGAAAABQAAADIBQAAiQsAAHpIAACzDwAAECAAACYAAAAIAAAAAAAAAAAAAAA="/>
+                <pr:smNativeData xmlns:pr="smNativeData" val="SMDATA_13_eIVQYBMAAAAlAAAAZAAAAA0AAAAAAAAAAAAAAAAAAAAAAAAAAAAAAAAAAAAAAAAAAAEAAABQAAAAAAAAAAAA4D8AAAAAAADgPwAAAAAAAOA/AAAAAAAA4D8AAAAAAADgPwAAAAAAAOA/AAAAAAAA4D8AAAAAAADgPwAAAAAAAOA/AAAAAAAA4D8CAAAAjAAAAAAAAAAAAAAA////AP///wgAAAAAAAAAAAAAAAAAAAAAAAAAAAAAAAAAAAAAeAAAAAEAAABAAAAAAAAAAAAAAABaAAAAAAAAAAAAAAAAAAAAAAAAAAAAAAAAAAAAAAAAAAAAAAAAAAAAAAAAAAAAAAAAAAAAAAAAAAAAAAAAAAAAAAAAAAAAAAAAAAAAFAAAADwAAAAAAAAAAAAAAAAAAAAPAAAAAQAAACMAAAAjAAAAIwAAAB4AAAAAAAAAZAAAAGQAAAAAAAAAZAAAAGQAAAAVAAAAYAAAAAAAAAAAAAAADwAAACADAAAAAAAAAAAAAAEAAACgMgAAVgcAAKr4//8BAAAAf39/AAEAAABkAAAAAAAAABQAAABAHwAAAAAAACYAAAAAAAAAwOD//wAAAAAmAAAAZAAAABYAAABMAAAAAAAAAAAAAAAEAAAAAAAAAAEAAADu7OEKAAAAACgAAAAoAAAAZAAAAGQAAAAAAAAAzMzMAAAAAABQAAAAUAAAAGQAAABkAAAAAAAAABcAAAAUAAAAAAAAAAAAAAD/fwAA/38AAAAAAAAJAAAABAAAAAAAAAAMAAAAEAAAAAAAAAAAAAAAAAAAAAAAAAAeAAAAaAAAAAAAAAAAAAAAAAAAAAAAAAAAAAAAECcAABAnAAAAAAAAAAAAAAAAAAAAAAAAAAAAAAAAAAAAAAAAAAAAABQAAAAAAAAAwMD/AAAAAABkAAAAMgAAAAAAAABkAAAAAAAAAH9/fwAKAAAAHwAAAFQAAAD///8A////AQAAAAAAAAAAAAAAAAAAAAAAAAAAAAAAAAAAAAAAAAAAAAAAAH9/fwDu7OEDzMzMAMDA/wB/f38AAAAAAAAAAAAAAAAAAAAAAAAAAAAhAAAAGAAAABQAAADIBQAAiQsAAHpIAACzDwAAEAAAACYAAAAIAAAAAAAAAAAAAAA="/>
               </a:ext>
             </a:extLst>
           </p:cNvSpPr>
@@ -6643,6 +6545,7 @@
               <a:rPr lang="en-gb"/>
               <a:t>Conclusion</a:t>
             </a:r>
+            <a:endParaRPr lang="en-gb"/>
           </a:p>
         </p:txBody>
       </p:sp>
@@ -6653,7 +6556,7 @@
             <a:spLocks noGrp="1" noChangeArrowheads="1"/>
             <a:extLst>
               <a:ext uri="smNativeData">
-                <pr:smNativeData xmlns:pr="smNativeData" xmlns:p14="http://schemas.microsoft.com/office/powerpoint/2010/main" xmlns="" val="SMDATA_13_ec9PYBMAAAAlAAAAZAAAAE0AAAAAAAAAAAAAAAAAAAAAAAAAAAAAAAAAAAAAAAAAAAEAAABQAAAAAAAAAAAA4D8AAAAAAADgPwAAAAAAAOA/AAAAAAAA4D8AAAAAAADgPwAAAAAAAOA/AAAAAAAA4D8AAAAAAADgPwAAAAAAAOA/AAAAAAAA4D8CAAAAjAAAAAAAAAAAAAAAT4G9DP///wgAAAAAAAAAAAAAAAAAAAAAAAAAAAAAAAAAAAAAZAAAAAEAAABAAAAAAAAAAAAAAAAAAAAAAAAAAAAAAAAAAAAAAAAAAAAAAAAAAAAAAAAAAAAAAAAAAAAAAAAAAAAAAAAAAAAAAAAAAAAAAAAAAAAAAAAAAAAAAAAAAAAAFAAAADwAAAAAAAAAAAAAAAAAAAkUAAAAAQAAABQAAAAUAAAAFAAAAAEAAAAAAAAAZAAAAGQAAAAAAAAAZAAAAGQAAAAVAAAAYAAAAAAAAAAAAAAADwAAACADAAAAAAAAAAAAAAEAAACgMgAAVgcAAKr4//8BAAAAf39/AAEAAABkAAAAAAAAABQAAABAHwAAAAAAACYAAAAAAAAAwOD//wAAAAAmAAAAZAAAABYAAABMAAAAAAAAAAAAAAAEAAAAAAAAAAEAAADu7OEKAAAAACgAAAAoAAAAZAAAAGQAAAAAAAAAzMzMAAAAAABQAAAAUAAAAGQAAABkAAAAAAAAABcAAAAUAAAAAAAAAAAAAAD/fwAA/38AAAAAAAAJAAAABAAAAAAAAAAMAAAAEAAAAAAAAAAAAAAAAAAAAAAAAAAeAAAAaAAAAAAAAAAAAAAAAAAAAAAAAAAAAAAAECcAABAnAAAAAAAAAAAAAAAAAAAAAAAAAAAAAAAAAAAAAAAAAAAAABQAAAAAAAAAwMD/AAAAAABkAAAAMgAAAAAAAABkAAAAAAAAAH9/fwAKAAAAHwAAAFQAAABPgb0F////AQAAAAAAAAAAAAAAAAAAAAAAAAAAAAAAAAAAAAAAAAAAAAAAAn9/fwDu7OEDzMzMAMDA/wB/f38AAAAAAAAAAAAAAAAAAAAAAAAAAAAhAAAAGAAAABQAAADIBQAAwBIAAHpIAAAYKgAAACAAACYAAAAIAAAAAYAAAAAAAAA="/>
+                <pr:smNativeData xmlns:pr="smNativeData" val="SMDATA_13_eIVQYBMAAAAlAAAAZAAAAA0AAAAAAAAAAAAAAAAAAAAAAAAAAAAAAAAAAAAAAAAAAAEAAABQAAAAAAAAAAAA4D8AAAAAAADgPwAAAAAAAOA/AAAAAAAA4D8AAAAAAADgPwAAAAAAAOA/AAAAAAAA4D8AAAAAAADgPwAAAAAAAOA/AAAAAAAA4D8CAAAAjAAAAAAAAAAAAAAA////AP///wgAAAAAAAAAAAAAAAAAAAAAAAAAAAAAAAAAAAAAeAAAAAEAAABAAAAAAAAAAAAAAABaAAAAAAAAAAAAAAAAAAAAAAAAAAAAAAAAAAAAAAAAAAAAAAAAAAAAAAAAAAAAAAAAAAAAAAAAAAAAAAAAAAAAAAAAAAAAAAAAAAAAFAAAADwAAAAAAAAAAAAAAAAAAAAPAAAAAQAAACMAAAAjAAAAIwAAAB4AAAAAAAAAZAAAAGQAAAAAAAAAZAAAAGQAAAAVAAAAYAAAAAAAAAAAAAAADwAAACADAAAAAAAAAAAAAAEAAACgMgAAVgcAAKr4//8BAAAAf39/AAEAAABkAAAAAAAAABQAAABAHwAAAAAAACYAAAAAAAAAwOD//wAAAAAmAAAAZAAAABYAAABMAAAAAAAAAAAAAAAEAAAAAAAAAAEAAADu7OEKAAAAACgAAAAoAAAAZAAAAGQAAAAAAAAAzMzMAAAAAABQAAAAUAAAAGQAAABkAAAAAAAAABcAAAAUAAAAAAAAAAAAAAD/fwAA/38AAAAAAAAJAAAABAAAAAAAAAAMAAAAEAAAAAAAAAAAAAAAAAAAAAAAAAAeAAAAaAAAAAAAAAAAAAAAAAAAAAAAAAAAAAAAECcAABAnAAAAAAAAAAAAAAAAAAAAAAAAAAAAAAAAAAAAAAAAAAAAABQAAAAAAAAAwMD/AAAAAABkAAAAMgAAAAAAAABkAAAAAAAAAH9/fwAKAAAAHwAAAFQAAAD///8A////AQAAAAAAAAAAAAAAAAAAAAAAAAAAAAAAAAAAAAAAAAAAAAAAAH9/fwDu7OEDzMzMAMDA/wB/f38AAAAAAAAAAAAAAAAAAAAAAAAAAAAhAAAAGAAAABQAAADIBQAAwBIAAHpIAAAYKgAAEAAAACYAAAAIAAAAAYAAAAAAAAA="/>
               </a:ext>
             </a:extLst>
           </p:cNvSpPr>
@@ -6681,7 +6584,7 @@
                 <a:schemeClr val="accent1"/>
               </a:buClr>
               <a:buSzPts val="2910"/>
-              <a:buFont typeface="Wingdings" charset="0"/>
+              <a:buFont typeface="Wingdings" pitchFamily="0" charset="0"/>
               <a:buChar char="§"/>
               <a:tabLst/>
               <a:defRPr lang="de-de" sz="2800" b="0" i="0" baseline="0">
@@ -6712,7 +6615,7 @@
               <a:lnSpc>
                 <a:spcPct val="150000"/>
               </a:lnSpc>
-              <a:buFont typeface="Wingdings" charset="0"/>
+              <a:buFont typeface="Wingdings" pitchFamily="0" charset="0"/>
               <a:buChar char="§"/>
               <a:defRPr lang="de-de" sz="2000" b="0" i="0" baseline="0">
                 <a:solidFill>
@@ -6800,7 +6703,7 @@
             <a:spLocks noGrp="1" noChangeArrowheads="1"/>
             <a:extLst>
               <a:ext uri="smNativeData">
-                <pr:smNativeData xmlns:pr="smNativeData" xmlns:p14="http://schemas.microsoft.com/office/powerpoint/2010/main" xmlns="" val="SMDATA_13_ec9PYBMAAAAlAAAAZAAAAA0AAAAAAAAAAAAAAAAAAAAAAAAAAAAAAAAAAAAAAAAAAAEAAABQAAAAAAAAAAAA4D8AAAAAAADgPwAAAAAAAOA/AAAAAAAA4D8AAAAAAADgPwAAAAAAAOA/AAAAAAAA4D8AAAAAAADgPwAAAAAAAOA/AAAAAAAA4D8CAAAAjAAAAAAAAAAAAAAAT4G9DP///wgAAAAAAAAAAAAAAAAAAAAAAAAAAAAAAAAAAAAAZAAAAAEAAABAAAAAAAAAAAAAAAAAAAAAAAAAAAAAAAAAAAAAAAAAAAAAAAAAAAAAAAAAAAAAAAAAAAAAAAAAAAAAAAAAAAAAAAAAAAAAAAAAAAAAAAAAAAAAAAAAAAAAFAAAADwAAAAAAAAAAAAAAAAAAAkUAAAAAQAAABQAAAAUAAAAFAAAAAEAAAAAAAAAZAAAAGQAAAAAAAAAZAAAAGQAAAAVAAAAYAAAAAAAAAAAAAAADwAAACADAAAAAAAAAAAAAAEAAACgMgAAVgcAAKr4//8BAAAAf39/AAEAAABkAAAAAAAAABQAAABAHwAAAAAAACYAAAAAAAAAwOD//wAAAAAmAAAAZAAAABYAAABMAAAAAAAAAAAAAAAEAAAAAAAAAAEAAADu7OEKAAAAACgAAAAoAAAAZAAAAGQAAAAAAAAAzMzMAAAAAABQAAAAUAAAAGQAAABkAAAAAAAAABcAAAAUAAAAAAAAAAAAAAD/fwAA/38AAAAAAAAJAAAABAAAAAAAAAAMAAAAEAAAAAAAAAAAAAAAAAAAAAAAAAAeAAAAaAAAAAAAAAAAAAAAAAAAAAAAAAAAAAAAECcAABAnAAAAAAAAAAAAAAAAAAAAAAAAAAAAAAAAAAAAAAAAAAAAABQAAAAAAAAAwMD/AAAAAABkAAAAMgAAAAAAAABkAAAAAAAAAH9/fwAKAAAAHwAAAFQAAABPgb0F////AQAAAAAAAAAAAAAAAAAAAAAAAAAAAAAAAAAAAAAAAAAAAAAAAn9/fwDu7OEDzMzMAMDA/wB/f38AAAAAAAAAAAAAAAAAAAAAAAAAAAAhAAAAGAAAABQAAADqAQAA4DgAAPAKAACYOgAAEAAAACYAAAAIAAAAAQAAAAAAAAA="/>
+                <pr:smNativeData xmlns:pr="smNativeData" val="SMDATA_13_eIVQYBMAAAAlAAAAZAAAAA0AAAAAAAAAAAAAAAAAAAAAAAAAAAAAAAAAAAAAAAAAAAEAAABQAAAAAAAAAAAA4D8AAAAAAADgPwAAAAAAAOA/AAAAAAAA4D8AAAAAAADgPwAAAAAAAOA/AAAAAAAA4D8AAAAAAADgPwAAAAAAAOA/AAAAAAAA4D8CAAAAjAAAAAAAAAAAAAAA////AP///wgAAAAAAAAAAAAAAAAAAAAAAAAAAAAAAAAAAAAAeAAAAAEAAABAAAAAAAAAAAAAAABaAAAAAAAAAAAAAAAAAAAAAAAAAAAAAAAAAAAAAAAAAAAAAAAAAAAAAAAAAAAAAAAAAAAAAAAAAAAAAAAAAAAAAAAAAAAAAAAAAAAAFAAAADwAAAAAAAAAAAAAAAAAAAAPAAAAAQAAACMAAAAjAAAAIwAAAB4AAAAAAAAAZAAAAGQAAAAAAAAAZAAAAGQAAAAVAAAAYAAAAAAAAAAAAAAADwAAACADAAAAAAAAAAAAAAEAAACgMgAAVgcAAKr4//8BAAAAf39/AAEAAABkAAAAAAAAABQAAABAHwAAAAAAACYAAAAAAAAAwOD//wAAAAAmAAAAZAAAABYAAABMAAAAAAAAAAAAAAAEAAAAAAAAAAEAAADu7OEKAAAAACgAAAAoAAAAZAAAAGQAAAAAAAAAzMzMAAAAAABQAAAAUAAAAGQAAABkAAAAAAAAABcAAAAUAAAAAAAAAAAAAAD/fwAA/38AAAAAAAAJAAAABAAAAGMAAAAMAAAAEAAAAAAAAAAAAAAAAAAAAAAAAAAeAAAAaAAAAAAAAAAAAAAAAAAAAAAAAAAAAAAAECcAABAnAAAAAAAAAAAAAAAAAAAAAAAAAAAAAAAAAAAAAAAAAAAAABQAAAAAAAAAwMD/AAAAAABkAAAAMgAAAAAAAABkAAAAAAAAAH9/fwAKAAAAHwAAAFQAAAD///8A////AQAAAAAAAAAAAAAAAAAAAAAAAAAAAAAAAAAAAAAAAAAAAAAAAH9/fwDu7OEDzMzMAMDA/wB/f38AAAAAAAAAAAAAAAAAAAAAAAAAAAAhAAAAGAAAABQAAADqAQAA4DgAAPAKAACYOgAAEAAAACYAAAAIAAAAAAAAAAAAAAA="/>
               </a:ext>
             </a:extLst>
           </p:cNvSpPr>
@@ -6808,12 +6711,7 @@
             <p:ph type="dt" sz="half" idx="2"/>
           </p:nvPr>
         </p:nvSpPr>
-        <p:spPr>
-          <a:xfrm>
-            <a:off x="311150" y="9245600"/>
-            <a:ext cx="1466850" cy="279400"/>
-          </a:xfrm>
-        </p:spPr>
+        <p:spPr/>
         <p:txBody>
           <a:bodyPr/>
           <a:lstStyle/>
@@ -6834,7 +6732,7 @@
             <a:spLocks noGrp="1" noChangeArrowheads="1"/>
             <a:extLst>
               <a:ext uri="smNativeData">
-                <pr:smNativeData xmlns:pr="smNativeData" xmlns:p14="http://schemas.microsoft.com/office/powerpoint/2010/main" xmlns="" val="SMDATA_13_ec9PYBMAAAAlAAAAZAAAAA0AAAAAAAAAAAAAAAAAAAAAAAAAAAAAAAAAAAAAAAAAAAEAAABQAAAAAAAAAAAA4D8AAAAAAADgPwAAAAAAAOA/AAAAAAAA4D8AAAAAAADgPwAAAAAAAOA/AAAAAAAA4D8AAAAAAADgPwAAAAAAAOA/AAAAAAAA4D8CAAAAjAAAAAAAAAAAAAAAT4G9DP///wgAAAAAAAAAAAAAAAAAAAAAAAAAAAAAAAAAAAAAZAAAAAEAAABAAAAAAAAAAAAAAAAAAAAAAAAAAAAAAAAAAAAAAAAAAAAAAAAAAAAAAAAAAAAAAAAAAAAAAAAAAAAAAAAAAAAAAAAAAAAAAAAAAAAAAAAAAAAAAAAAAAAAFAAAADwAAAAAAAAAAAAAAAAAAAkUAAAAAQAAABQAAAAUAAAAFAAAAAEAAAAAAAAAZAAAAGQAAAAAAAAAZAAAAGQAAAAVAAAAYAAAAAAAAAAAAAAADwAAACADAAAAAAAAAAAAAAEAAACgMgAAVgcAAKr4//8BAAAAf39/AAEAAABkAAAAAAAAABQAAABAHwAAAAAAACYAAAAAAAAAwOD//wAAAAAmAAAAZAAAABYAAABMAAAAAAAAAAAAAAAEAAAAAAAAAAEAAADu7OEKAAAAACgAAAAoAAAAZAAAAGQAAAAAAAAAzMzMAAAAAABQAAAAUAAAAGQAAABkAAAAAAAAABcAAAAUAAAAAAAAAAAAAAD/fwAA/38AAAAAAAAJAAAABAAAAAAAAAAMAAAAEAAAAAAAAAAAAAAAAAAAAAAAAAAeAAAAaAAAAAAAAAAAAAAAAAAAAAAAAAAAAAAAECcAABAnAAAAAAAAAAAAAAAAAAAAAAAAAAAAAAAAAAAAAAAAAAAAABQAAAAAAAAAwMD/AAAAAABkAAAAMgAAAAAAAABkAAAAAAAAAH9/fwAKAAAAHwAAAFQAAABPgb0F////AQAAAAAAAAAAAAAAAAAAAAAAAAAAAAAAAAAAAAAAAAAAAAAAAn9/fwDu7OEDzMzMAMDA/wB/f38AAAAAAAAAAAAAAAAAAAAAAAAAAAAhAAAAGAAAABQAAADQSAAAGDkAABZOAACYOgAAEAAAACYAAAAIAAAAAAAAAAAAAAA="/>
+                <pr:smNativeData xmlns:pr="smNativeData" val="SMDATA_13_eIVQYBMAAAAlAAAAZAAAAA0AAAAAAAAAAAAAAAAAAAAAAAAAAAAAAAAAAAAAAAAAAAEAAABQAAAAAAAAAAAA4D8AAAAAAADgPwAAAAAAAOA/AAAAAAAA4D8AAAAAAADgPwAAAAAAAOA/AAAAAAAA4D8AAAAAAADgPwAAAAAAAOA/AAAAAAAA4D8CAAAAjAAAAAAAAAAAAAAA////AP///wgAAAAAAAAAAAAAAAAAAAAAAAAAAAAAAAAAAAAAeAAAAAEAAABAAAAAAAAAAAAAAABaAAAAAAAAAAAAAAAAAAAAAAAAAAAAAAAAAAAAAAAAAAAAAAAAAAAAAAAAAAAAAAAAAAAAAAAAAAAAAAAAAAAAAAAAAAAAAAAAAAAAFAAAADwAAAAAAAAAAAAAAAAAAAAPAAAAAQAAACMAAAAjAAAAIwAAAB4AAAAAAAAAZAAAAGQAAAAAAAAAZAAAAGQAAAAVAAAAYAAAAAAAAAAAAAAADwAAACADAAAAAAAAAAAAAAEAAACgMgAAVgcAAKr4//8BAAAAf39/AAEAAABkAAAAAAAAABQAAABAHwAAAAAAACYAAAAAAAAAwOD//wAAAAAmAAAAZAAAABYAAABMAAAAAAAAAAAAAAAEAAAAAAAAAAEAAADu7OEKAAAAACgAAAAoAAAAZAAAAGQAAAAAAAAAzMzMAAAAAABQAAAAUAAAAGQAAABkAAAAAAAAABcAAAAUAAAAAAAAAAAAAAD/fwAA/38AAAAAAAAJAAAABAAAAAAAAAAMAAAAEAAAAAAAAAAAAAAAAAAAAAAAAAAeAAAAaAAAAAAAAAAAAAAAAAAAAAAAAAAAAAAAECcAABAnAAAAAAAAAAAAAAAAAAAAAAAAAAAAAAAAAAAAAAAAAAAAABQAAAAAAAAAwMD/AAAAAABkAAAAMgAAAAAAAABkAAAAAAAAAH9/fwAKAAAAHwAAAFQAAAD///8A////AQAAAAAAAAAAAAAAAAAAAAAAAAAAAAAAAAAAAAAAAAAAAAAAAH9/fwDu7OEDzMzMAMDA/wB/f38AAAAAAAAAAAAAAAAAAAAAAAAAAAAhAAAAGAAAABQAAADQSAAAGDkAABZOAACYOgAAEAAAACYAAAAIAAAAAAAAAAAAAAA="/>
               </a:ext>
             </a:extLst>
           </p:cNvSpPr>
@@ -6850,10 +6748,9 @@
             <a:pPr>
               <a:defRPr lang="de-de"/>
             </a:pPr>
-            <a:fld id="{384F9F8C-C2D5-1A69-9BF7-343CD1B96D61}" type="slidenum">
+            <a:fld id="{642D5FD3-9D89-78A9-C795-6BFC11DB313E}" type="slidenum">
               <a:t>16</a:t>
             </a:fld>
-            <a:endParaRPr/>
           </a:p>
         </p:txBody>
       </p:sp>
@@ -6862,11 +6759,18 @@
   <p:clrMapOvr>
     <a:masterClrMapping/>
   </p:clrMapOvr>
+  <p:timing>
+    <p:tnLst>
+      <p:par>
+        <p:cTn id="1" dur="indefinite" restart="never" nodeType="tmRoot"/>
+      </p:par>
+    </p:tnLst>
+  </p:timing>
 </p:sld>
 </file>
 
 <file path=ppt/slides/slide17.xml><?xml version="1.0" encoding="utf-8"?>
-<p:sld xmlns:a="http://schemas.openxmlformats.org/drawingml/2006/main" xmlns:r="http://schemas.openxmlformats.org/officeDocument/2006/relationships" xmlns:p="http://schemas.openxmlformats.org/presentationml/2006/main">
+<p:sld xmlns:p="http://schemas.openxmlformats.org/presentationml/2006/main" xmlns:p14="http://schemas.microsoft.com/office/powerpoint/2010/main" xmlns:r="http://schemas.openxmlformats.org/officeDocument/2006/relationships" xmlns:a="http://schemas.openxmlformats.org/drawingml/2006/main">
   <p:cSld>
     <p:spTree>
       <p:nvGrpSpPr>
@@ -6889,7 +6793,7 @@
             <a:spLocks noGrp="1" noChangeArrowheads="1"/>
             <a:extLst>
               <a:ext uri="smNativeData">
-                <pr:smNativeData xmlns:pr="smNativeData" xmlns:p14="http://schemas.microsoft.com/office/powerpoint/2010/main" xmlns="" val="SMDATA_13_ec9PYBMAAAAlAAAAZAAAAE0AAAAAAAAAAAAAAAAAAAAAAAAAAAAAAAAAAAAAAAAAAAEAAABQAAAAAAAAAAAA4D8AAAAAAADgPwAAAAAAAOA/AAAAAAAA4D8AAAAAAADgPwAAAAAAAOA/AAAAAAAA4D8AAAAAAADgPwAAAAAAAOA/AAAAAAAA4D8CAAAAjAAAAAAAAAAAAAAAT4G9DP///wgAAAAAAAAAAAAAAAAAAAAAAAAAAAAAAAAAAAAAZAAAAAEAAABAAAAAAAAAAAAAAAAAAAAAAAAAAAAAAAAAAAAAAAAAAAAAAAAAAAAAAAAAAAAAAAAAAAAAAAAAAAAAAAAAAAAAAAAAAAAAAAAAAAAAAAAAAAAAAAAAAAAAFAAAADwAAAAAAAAAAAAAAAAAAAkUAAAAAQAAABQAAAAUAAAAFAAAAAEAAAAAAAAAZAAAAGQAAAAAAAAAZAAAAGQAAAAVAAAAYAAAAAAAAAAAAAAADwAAACADAAAAAAAAAAAAAAEAAACgMgAAVgcAAKr4//8BAAAAf39/AAEAAABkAAAAAAAAABQAAABAHwAAAAAAACYAAAAAAAAAwOD//wAAAAAmAAAAZAAAABYAAABMAAAAAAAAAAAAAAAEAAAAAAAAAAEAAADu7OEKAAAAACgAAAAoAAAAZAAAAGQAAAAAAAAAzMzMAAAAAABQAAAAUAAAAGQAAABkAAAAAAAAABcAAAAUAAAAAAAAAAAAAAD/fwAA/38AAAAAAAAJAAAABAAAAAAAAAAMAAAAEAAAAAAAAAAAAAAAAAAAAAAAAAAeAAAAaAAAAAAAAAAAAAAAAAAAAAAAAAAAAAAAECcAABAnAAAAAAAAAAAAAAAAAAAAAAAAAAAAAAAAAAAAAAAAAAAAABQAAAAAAAAAwMD/AAAAAABkAAAAMgAAAAAAAABkAAAAAAAAAH9/fwAKAAAAHwAAAFQAAABPgb0F////AQAAAAAAAAAAAAAAAAAAAAAAAAAAAAAAAAAAAAAAAAAAAAAAAn9/fwDu7OEDzMzMAMDA/wB/f38AAAAAAAAAAAAAAAAAAAAAAAAAAAAhAAAAGAAAABQAAADIBQAAoCMAAMg9AADmJQAAECAAACYAAAAIAAAAAAAAAAAAAAA="/>
+                <pr:smNativeData xmlns:pr="smNativeData" val="SMDATA_13_eIVQYBMAAAAlAAAAZAAAAA0AAAAAAAAAAAAAAAAAAAAAAAAAAAAAAAAAAAAAAAAAAAEAAABQAAAAAAAAAAAA4D8AAAAAAADgPwAAAAAAAOA/AAAAAAAA4D8AAAAAAADgPwAAAAAAAOA/AAAAAAAA4D8AAAAAAADgPwAAAAAAAOA/AAAAAAAA4D8CAAAAjAAAAAAAAAAAAAAA////AP///wgAAAAAAAAAAAAAAAAAAAAAAAAAAAAAAAAAAAAAeAAAAAEAAABAAAAAAAAAAAAAAABaAAAAAAAAAAAAAAAAAAAAAAAAAAAAAAAAAAAAAAAAAAAAAAAAAAAAAAAAAAAAAAAAAAAAAAAAAAAAAAAAAAAAAAAAAAAAAAAAAAAAFAAAADwAAAAAAAAAAAAAAAAAAAAPAAAAAQAAACMAAAAjAAAAIwAAAB4AAAAAAAAAZAAAAGQAAAAAAAAAZAAAAGQAAAAVAAAAYAAAAAAAAAAAAAAADwAAACADAAAAAAAAAAAAAAEAAACgMgAAVgcAAKr4//8BAAAAf39/AAEAAABkAAAAAAAAABQAAABAHwAAAAAAACYAAAAAAAAAwOD//wAAAAAmAAAAZAAAABYAAABMAAAAAAAAAAAAAAAEAAAAAAAAAAEAAADu7OEKAAAAACgAAAAoAAAAZAAAAGQAAAAAAAAAzMzMAAAAAABQAAAAUAAAAGQAAABkAAAAAAAAABcAAAAUAAAAAAAAAAAAAAD/fwAA/38AAAAAAAAJAAAABAAAAAAAAAAMAAAAEAAAAAAAAAAAAAAAAAAAAAAAAAAeAAAAaAAAAAAAAAAAAAAAAAAAAAAAAAAAAAAAECcAABAnAAAAAAAAAAAAAAAAAAAAAAAAAAAAAAAAAAAAAAAAAAAAABQAAAAAAAAAwMD/AAAAAABkAAAAMgAAAAAAAABkAAAAAAAAAH9/fwAKAAAAHwAAAFQAAAD///8A////AQAAAAAAAAAAAAAAAAAAAAAAAAAAAAAAAAAAAAAAAAAAAAAAAH9/fwDu7OEDzMzMAMDA/wB/f38AAAAAAAAAAAAAAAAAAAAAAAAAAAAhAAAAGAAAABQAAADIBQAAoCMAAMg9AADmJQAAEAAAACYAAAAIAAAAAAAAAAAAAAA="/>
               </a:ext>
             </a:extLst>
           </p:cNvSpPr>
@@ -6909,6 +6813,7 @@
               <a:rPr lang="en-gb"/>
               <a:t>Do you have any questions?</a:t>
             </a:r>
+            <a:endParaRPr lang="en-gb"/>
           </a:p>
         </p:txBody>
       </p:sp>
@@ -6919,7 +6824,7 @@
             <a:spLocks noGrp="1" noChangeArrowheads="1"/>
             <a:extLst>
               <a:ext uri="smNativeData">
-                <pr:smNativeData xmlns:pr="smNativeData" xmlns:p14="http://schemas.microsoft.com/office/powerpoint/2010/main" xmlns="" val="SMDATA_13_ec9PYBMAAAAlAAAAZAAAAE0AAAAAAAAAAAAAAAAAAAAAAAAAAAAAAAAAAAAAAAAAAAEAAABQAAAAAAAAAAAA4D8AAAAAAADgPwAAAAAAAOA/AAAAAAAA4D8AAAAAAADgPwAAAAAAAOA/AAAAAAAA4D8AAAAAAADgPwAAAAAAAOA/AAAAAAAA4D8CAAAAjAAAAAAAAAAAAAAAT4G9DP///wgAAAAAAAAAAAAAAAAAAAAAAAAAAAAAAAAAAAAAZAAAAAEAAABAAAAAAAAAAAAAAAAAAAAAAAAAAAAAAAAAAAAAAAAAAAAAAAAAAAAAAAAAAAAAAAAAAAAAAAAAAAAAAAAAAAAAAAAAAAAAAAAAAAAAAAAAAAAAAAAAAAAAFAAAADwAAAAAAAAAAAAAAAAAAAkUAAAAAQAAABQAAAAUAAAAFAAAAAEAAAAAAAAAZAAAAGQAAAAAAAAAZAAAAGQAAAAVAAAAYAAAAAAAAAAAAAAADwAAACADAAAAAAAAAAAAAAEAAACgMgAAVgcAAKr4//8BAAAAf39/AAEAAABkAAAAAAAAABQAAABAHwAAAAAAACYAAAAAAAAAwOD//wAAAAAmAAAAZAAAABYAAABMAAAAAAAAAAAAAAAEAAAAAAAAAAEAAADu7OEKAAAAACgAAAAoAAAAZAAAAGQAAAAAAAAAzMzMAAAAAABQAAAAUAAAAGQAAABkAAAAAAAAABcAAAAUAAAAAAAAAAAAAAD/fwAA/38AAAAAAAAJAAAABAAAAAAAAAAMAAAAEAAAAAAAAAAAAAAAAAAAAAAAAAAeAAAAaAAAAAAAAAAAAAAAAAAAAAAAAAAAAAAAECcAABAnAAAAAAAAAAAAAAAAAAAAAAAAAAAAAAAAAAAAAAAAAAAAABQAAAAAAAAAwMD/AAAAAABkAAAAMgAAAAAAAABkAAAAAAAAAH9/fwAKAAAAHwAAAFQAAABPgb0F////AQAAAAAAAAAAAAAAAAAAAAAAAAAAAAAAAAAAAAAAAAAAAAAAAn9/fwDu7OEDzMzMAMDA/wB/f38AAAAAAAAAAAAAAAAAAAAAAAAAAAAhAAAAGAAAABQAAACSBQAAmBwAAERIAABGIgAAECAAACYAAAAIAAAAAAAAAAAAAAA="/>
+                <pr:smNativeData xmlns:pr="smNativeData" val="SMDATA_13_eIVQYBMAAAAlAAAAZAAAAA0AAAAAAAAAAAAAAAAAAAAAAAAAAAAAAAAAAAAAAAAAAAEAAABQAAAAAAAAAAAA4D8AAAAAAADgPwAAAAAAAOA/AAAAAAAA4D8AAAAAAADgPwAAAAAAAOA/AAAAAAAA4D8AAAAAAADgPwAAAAAAAOA/AAAAAAAA4D8CAAAAjAAAAAAAAAAAAAAA////AP///wgAAAAAAAAAAAAAAAAAAAAAAAAAAAAAAAAAAAAAeAAAAAEAAABAAAAAAAAAAAAAAABaAAAAAAAAAAAAAAAAAAAAAAAAAAAAAAAAAAAAAAAAAAAAAAAAAAAAAAAAAAAAAAAAAAAAAAAAAAAAAAAAAAAAAAAAAAAAAAAAAAAAFAAAADwAAAAAAAAAAAAAAAAAAAAPAAAAAQAAACMAAAAjAAAAIwAAAB4AAAAAAAAAZAAAAGQAAAAAAAAAZAAAAGQAAAAVAAAAYAAAAAAAAAAAAAAADwAAACADAAAAAAAAAAAAAAEAAACgMgAAVgcAAKr4//8BAAAAf39/AAEAAABkAAAAAAAAABQAAABAHwAAAAAAACYAAAAAAAAAwOD//wAAAAAmAAAAZAAAABYAAABMAAAAAAAAAAAAAAAEAAAAAAAAAAEAAADu7OEKAAAAACgAAAAoAAAAZAAAAGQAAAAAAAAAzMzMAAAAAABQAAAAUAAAAGQAAABkAAAAAAAAABcAAAAUAAAAAAAAAAAAAAD/fwAA/38AAAAAAAAJAAAABAAAAAAAAAAMAAAAEAAAAAAAAAAAAAAAAAAAAAAAAAAeAAAAaAAAAAAAAAAAAAAAAAAAAAAAAAAAAAAAECcAABAnAAAAAAAAAAAAAAAAAAAAAAAAAAAAAAAAAAAAAAAAAAAAABQAAAAAAAAAwMD/AAAAAABkAAAAMgAAAAAAAABkAAAAAAAAAH9/fwAKAAAAHwAAAFQAAAD///8A////AQAAAAAAAAAAAAAAAAAAAAAAAAAAAAAAAAAAAAAAAAAAAAAAAH9/fwDu7OEDzMzMAMDA/wB/f38AAAAAAAAAAAAAAAAAAAAAAAAAAAAhAAAAGAAAABQAAACSBQAAmBwAAERIAABGIgAAEAAAACYAAAAIAAAAAAAAAAAAAAA="/>
               </a:ext>
             </a:extLst>
           </p:cNvSpPr>
@@ -6939,33 +6844,7 @@
               <a:rPr lang="en-gb"/>
               <a:t>Thanks for your attention!</a:t>
             </a:r>
-          </a:p>
-        </p:txBody>
-      </p:sp>
-      <p:sp>
-        <p:nvSpPr>
-          <p:cNvPr id="4" name="Espace réservé du texte 1"/>
-          <p:cNvSpPr>
-            <a:spLocks noGrp="1" noChangeArrowheads="1"/>
-            <a:extLst>
-              <a:ext uri="smNativeData">
-                <pr:smNativeData xmlns:pr="smNativeData" xmlns:p14="http://schemas.microsoft.com/office/powerpoint/2010/main" xmlns="" val="SMDATA_13_ec9PYBMAAAAlAAAAZAAAAE0AAAAAAAAAAAAAAAAAAAAAAAAAAAAAAAAAAAAAAAAAAAEAAABQAAAAAAAAAAAA4D8AAAAAAADgPwAAAAAAAOA/AAAAAAAA4D8AAAAAAADgPwAAAAAAAOA/AAAAAAAA4D8AAAAAAADgPwAAAAAAAOA/AAAAAAAA4D8CAAAAjAAAAAAAAAAAAAAAT4G9DP///wgAAAAAAAAAAAAAAAAAAAAAAAAAAAAAAAAAAAAAZAAAAAEAAABAAAAAAAAAAAAAAAAAAAAAAAAAAAAAAAAAAAAAAAAAAAAAAAAAAAAAAAAAAAAAAAAAAAAAAAAAAAAAAAAAAAAAAAAAAAAAAAAAAAAAAAAAAAAAAAAAAAAAFAAAADwAAAAAAAAAAAAAAAAAAAkUAAAAAQAAABQAAAAUAAAAFAAAAAEAAAAAAAAAZAAAAGQAAAAAAAAAZAAAAGQAAAAVAAAAYAAAAAAAAAAAAAAADwAAACADAAAAAAAAAAAAAAEAAACgMgAAVgcAAKr4//8BAAAAf39/AAEAAABkAAAAAAAAABQAAABAHwAAAAAAACYAAAAAAAAAwOD//wAAAAAmAAAAZAAAABYAAABMAAAAAAAAAAAAAAAEAAAAAAAAAAEAAADu7OEKAAAAACgAAAAoAAAAZAAAAGQAAAAAAAAAzMzMAAAAAABQAAAAUAAAAGQAAABkAAAAAAAAABcAAAAUAAAAAAAAAAAAAAD/fwAA/38AAAAAAAAJAAAABAAAAAAAAAAMAAAAEAAAAAAAAAAAAAAAAAAAAAAAAAAeAAAAaAAAAAAAAAAAAAAAAAAAAAAAAAAAAAAAECcAABAnAAAAAAAAAAAAAAAAAAAAAAAAAAAAAAAAAAAAAAAAAAAAABQAAAAAAAAAwMD/AAAAAABkAAAAMgAAAAAAAABkAAAAAAAAAH9/fwAKAAAAHwAAAFQAAABPgb0F////AQAAAAAAAAAAAAAAAAAAAAAAAAAAAAAAAAAAAAAAAAAAAAAAAn9/fwDu7OEDzMzMAMDA/wB/f38AAAAAAAAAAAAAAAAAAAAAAAAAAAAhAAAAGAAAABQAAADIBQAAyBkAAGg4AACZGwAAECAAACYAAAAIAAAAAAAAAAAAAAA="/>
-              </a:ext>
-            </a:extLst>
-          </p:cNvSpPr>
-          <p:nvPr>
-            <p:ph type="body" idx="1"/>
-          </p:nvPr>
-        </p:nvSpPr>
-        <p:spPr/>
-        <p:txBody>
-          <a:bodyPr/>
-          <a:lstStyle/>
-          <a:p>
-            <a:pPr>
-              <a:defRPr lang="de-de" cap="small"/>
-            </a:pPr>
-            <a:endParaRPr/>
+            <a:endParaRPr lang="en-gb"/>
           </a:p>
         </p:txBody>
       </p:sp>
@@ -6974,11 +6853,18 @@
   <p:clrMapOvr>
     <a:masterClrMapping/>
   </p:clrMapOvr>
+  <p:timing>
+    <p:tnLst>
+      <p:par>
+        <p:cTn id="1" dur="indefinite" restart="never" nodeType="tmRoot"/>
+      </p:par>
+    </p:tnLst>
+  </p:timing>
 </p:sld>
 </file>
 
 <file path=ppt/slides/slide18.xml><?xml version="1.0" encoding="utf-8"?>
-<p:sld xmlns:a="http://schemas.openxmlformats.org/drawingml/2006/main" xmlns:r="http://schemas.openxmlformats.org/officeDocument/2006/relationships" xmlns:p="http://schemas.openxmlformats.org/presentationml/2006/main">
+<p:sld xmlns:p="http://schemas.openxmlformats.org/presentationml/2006/main" xmlns:p14="http://schemas.microsoft.com/office/powerpoint/2010/main" xmlns:r="http://schemas.openxmlformats.org/officeDocument/2006/relationships" xmlns:a="http://schemas.openxmlformats.org/drawingml/2006/main">
   <p:cSld>
     <p:spTree>
       <p:nvGrpSpPr>
@@ -7001,7 +6887,7 @@
             <a:spLocks noGrp="1" noChangeArrowheads="1"/>
             <a:extLst>
               <a:ext uri="smNativeData">
-                <pr:smNativeData xmlns:pr="smNativeData" xmlns:p14="http://schemas.microsoft.com/office/powerpoint/2010/main" xmlns="" val="SMDATA_13_ec9PYBMAAAAlAAAAZAAAAE0AAAAAAAAAAAAAAAAAAAAAAAAAAAAAAAAAAAAAAAAAAAEAAABQAAAAAAAAAAAA4D8AAAAAAADgPwAAAAAAAOA/AAAAAAAA4D8AAAAAAADgPwAAAAAAAOA/AAAAAAAA4D8AAAAAAADgPwAAAAAAAOA/AAAAAAAA4D8CAAAAjAAAAAAAAAAAAAAAT4G9DP///wgAAAAAAAAAAAAAAAAAAAAAAAAAAAAAAAAAAAAAZAAAAAEAAABAAAAAAAAAAAAAAAAAAAAAAAAAAAAAAAAAAAAAAAAAAAAAAAAAAAAAAAAAAAAAAAAAAAAAAAAAAAAAAAAAAAAAAAAAAAAAAAAAAAAAAAAAAAAAAAAAAAAAFAAAADwAAAAAAAAAAAAAAAAAAAkUAAAAAQAAABQAAAAUAAAAFAAAAAEAAAAAAAAAZAAAAGQAAAAAAAAAZAAAAGQAAAAVAAAAYAAAAAAAAAAAAAAADwAAACADAAAAAAAAAAAAAAEAAACgMgAAVgcAAKr4//8BAAAAf39/AAEAAABkAAAAAAAAABQAAABAHwAAAAAAACYAAAAAAAAAwOD//wAAAAAmAAAAZAAAABYAAABMAAAAAAAAAAAAAAAEAAAAAAAAAAEAAADu7OEKAAAAACgAAAAoAAAAZAAAAGQAAAAAAAAAzMzMAAAAAABQAAAAUAAAAGQAAABkAAAAAAAAABcAAAAUAAAAAAAAAAAAAAD/fwAA/38AAAAAAAAJAAAABAAAAAAAAAAMAAAAEAAAAAAAAAAAAAAAAAAAAAAAAAAeAAAAaAAAAAAAAAAAAAAAAAAAAAAAAAAAAAAAECcAABAnAAAAAAAAAAAAAAAAAAAAAAAAAAAAAAAAAAAAAAAAAAAAABQAAAAAAAAAwMD/AAAAAABkAAAAMgAAAAAAAABkAAAAAAAAAH9/fwAKAAAAHwAAAFQAAABPgb0F////AQAAAAAAAAAAAAAAAAAAAAAAAAAAAAAAAAAAAAAAAAAAAAAAAn9/fwDu7OEDzMzMAMDA/wB/f38AAAAAAAAAAAAAAAAAAAAAAAAAAAAhAAAAGAAAABQAAADIBQAAiQsAAHpIAACzDwAAECAAACYAAAAIAAAAAAAAAAAAAAA="/>
+                <pr:smNativeData xmlns:pr="smNativeData" val="SMDATA_13_eIVQYBMAAAAlAAAAZAAAAA0AAAAAAAAAAAAAAAAAAAAAAAAAAAAAAAAAAAAAAAAAAAEAAABQAAAAAAAAAAAA4D8AAAAAAADgPwAAAAAAAOA/AAAAAAAA4D8AAAAAAADgPwAAAAAAAOA/AAAAAAAA4D8AAAAAAADgPwAAAAAAAOA/AAAAAAAA4D8CAAAAjAAAAAAAAAAAAAAA////AP///wgAAAAAAAAAAAAAAAAAAAAAAAAAAAAAAAAAAAAAeAAAAAEAAABAAAAAAAAAAAAAAABaAAAAAAAAAAAAAAAAAAAAAAAAAAAAAAAAAAAAAAAAAAAAAAAAAAAAAAAAAAAAAAAAAAAAAAAAAAAAAAAAAAAAAAAAAAAAAAAAAAAAFAAAADwAAAAAAAAAAAAAAAAAAAAPAAAAAQAAACMAAAAjAAAAIwAAAB4AAAAAAAAAZAAAAGQAAAAAAAAAZAAAAGQAAAAVAAAAYAAAAAAAAAAAAAAADwAAACADAAAAAAAAAAAAAAEAAACgMgAAVgcAAKr4//8BAAAAf39/AAEAAABkAAAAAAAAABQAAABAHwAAAAAAACYAAAAAAAAAwOD//wAAAAAmAAAAZAAAABYAAABMAAAAAAAAAAAAAAAEAAAAAAAAAAEAAADu7OEKAAAAACgAAAAoAAAAZAAAAGQAAAAAAAAAzMzMAAAAAABQAAAAUAAAAGQAAABkAAAAAAAAABcAAAAUAAAAAAAAAAAAAAD/fwAA/38AAAAAAAAJAAAABAAAAAAAAAAMAAAAEAAAAAAAAAAAAAAAAAAAAAAAAAAeAAAAaAAAAAAAAAAAAAAAAAAAAAAAAAAAAAAAECcAABAnAAAAAAAAAAAAAAAAAAAAAAAAAAAAAAAAAAAAAAAAAAAAABQAAAAAAAAAwMD/AAAAAABkAAAAMgAAAAAAAABkAAAAAAAAAH9/fwAKAAAAHwAAAFQAAAD///8A////AQAAAAAAAAAAAAAAAAAAAAAAAAAAAAAAAAAAAAAAAAAAAAAAAH9/fwDu7OEDzMzMAMDA/wB/f38AAAAAAAAAAAAAAAAAAAAAAAAAAAAhAAAAGAAAABQAAADIBQAAiQsAAHpIAACzDwAAEAAAACYAAAAIAAAAAAAAAAAAAAA="/>
               </a:ext>
             </a:extLst>
           </p:cNvSpPr>
@@ -7021,6 +6907,7 @@
               <a:rPr lang="en-gb"/>
               <a:t>References</a:t>
             </a:r>
+            <a:endParaRPr lang="en-gb"/>
           </a:p>
         </p:txBody>
       </p:sp>
@@ -7031,7 +6918,7 @@
             <a:spLocks noGrp="1" noChangeArrowheads="1"/>
             <a:extLst>
               <a:ext uri="smNativeData">
-                <pr:smNativeData xmlns:pr="smNativeData" xmlns:p14="http://schemas.microsoft.com/office/powerpoint/2010/main" xmlns="" val="SMDATA_13_ec9PYBMAAAAlAAAAZAAAAE0AAAAAAAAAAAAAAAAAAAAAAAAAAAAAAAAAAAAAAAAAAAEAAABQAAAAAAAAAAAA4D8AAAAAAADgPwAAAAAAAOA/AAAAAAAA4D8AAAAAAADgPwAAAAAAAOA/AAAAAAAA4D8AAAAAAADgPwAAAAAAAOA/AAAAAAAA4D8CAAAAjAAAAAAAAAAAAAAAT4G9DP///wgAAAAAAAAAAAAAAAAAAAAAAAAAAAAAAAAAAAAAZAAAAAEAAABAAAAAAAAAAAAAAAAAAAAAAAAAAAAAAAAAAAAAAAAAAAAAAAAAAAAAAAAAAAAAAAAAAAAAAAAAAAAAAAAAAAAAAAAAAAAAAAAAAAAAAAAAAAAAAAAAAAAAFAAAADwAAAAAAAAAAAAAAAAAAAkUAAAAAQAAABQAAAAUAAAAFAAAAAEAAAAAAAAAZAAAAGQAAAAAAAAAZAAAAGQAAAAVAAAAYAAAAAAAAAAAAAAADwAAACADAAAAAAAAAAAAAAEAAACgMgAAVgcAAKr4//8BAAAAf39/AAEAAABkAAAAAAAAABQAAABAHwAAAAAAACYAAAAAAAAAwOD//wAAAAAmAAAAZAAAABYAAABMAAAAAAAAAAAAAAAEAAAAAAAAAAEAAADu7OEKAAAAACgAAAAoAAAAZAAAAGQAAAAAAAAAzMzMAAAAAABQAAAAUAAAAGQAAABkAAAAAAAAABcAAAAUAAAAAAAAAAAAAAD/fwAA/38AAAAAAAAJAAAABAAAAAAAAAAMAAAAEAAAAAAAAAAAAAAAAAAAAAAAAAAeAAAAaAAAAAAAAAAAAAAAAAAAAAAAAAAAAAAAECcAABAnAAAAAAAAAAAAAAAAAAAAAAAAAAAAAAAAAAAAAAAAAAAAABQAAAAAAAAAwMD/AAAAAABkAAAAMgAAAAAAAABkAAAAAAAAAH9/fwAKAAAAHwAAAFQAAABPgb0F////AQAAAAAAAAAAAAAAAAAAAAAAAAAAAAAAAAAAAAAAAAAAAAAAAn9/fwDu7OEDzMzMAMDA/wB/f38AAAAAAAAAAAAAAAAAAAAAAAAAAAAhAAAAGAAAABQAAADIBQAAwBIAAKpJAACgOwAAACAAACYAAAAIAAAAAQAAAAAAAAA="/>
+                <pr:smNativeData xmlns:pr="smNativeData" val="SMDATA_13_eIVQYBMAAAAlAAAAZAAAAA0AAAAAAAAAAAAAAAAAAAAAAAAAAAAAAAAAAAAAAAAAAAEAAABQAAAAAAAAAAAA4D8AAAAAAADgPwAAAAAAAOA/AAAAAAAA4D8AAAAAAADgPwAAAAAAAOA/AAAAAAAA4D8AAAAAAADgPwAAAAAAAOA/AAAAAAAA4D8CAAAAjAAAAAAAAAAAAAAA////AP///wgAAAAAAAAAAAAAAAAAAAAAAAAAAAAAAAAAAAAAeAAAAAEAAABAAAAAAAAAAAAAAABaAAAAAAAAAAAAAAAAAAAAAAAAAAAAAAAAAAAAAAAAAAAAAAAAAAAAAAAAAAAAAAAAAAAAAAAAAAAAAAAAAAAAAAAAAAAAAAAAAAAAFAAAADwAAAAAAAAAAAAAAAAAAAAPAAAAAQAAACMAAAAjAAAAIwAAAB4AAAAAAAAAZAAAAGQAAAAAAAAAZAAAAGQAAAAVAAAAYAAAAAAAAAAAAAAADwAAACADAAAAAAAAAAAAAAEAAACgMgAAVgcAAKr4//8BAAAAf39/AAEAAABkAAAAAAAAABQAAABAHwAAAAAAACYAAAAAAAAAwOD//wAAAAAmAAAAZAAAABYAAABMAAAAAAAAAAAAAAAEAAAAAAAAAAEAAADu7OEKAAAAACgAAAAoAAAAZAAAAGQAAAAAAAAAzMzMAAAAAABQAAAAUAAAAGQAAABkAAAAAAAAABcAAAAUAAAAAAAAAAAAAAD/fwAA/38AAAAAAAAJAAAABAAAAAAAAAAMAAAAEAAAAAAAAAAAAAAAAAAAAAAAAAAeAAAAaAAAAAAAAAAAAAAAAAAAAAAAAAAAAAAAECcAABAnAAAAAAAAAAAAAAAAAAAAAAAAAAAAAAAAAAAAAAAAAAAAABQAAAAAAAAAwMD/AAAAAABkAAAAMgAAAAAAAABkAAAAAAAAAH9/fwAKAAAAHwAAAFQAAAD///8A////AQAAAAAAAAAAAAAAAAAAAAAAAAAAAAAAAAAAAAAAAAAAAAAAAH9/fwDu7OEDzMzMAMDA/wB/f38AAAAAAAAAAAAAAAAAAAAAAAAAAAAhAAAAGAAAABQAAADIBQAAwBIAAKpJAACgOwAAEAAAACYAAAAIAAAAAQAAAAAAAAA="/>
               </a:ext>
             </a:extLst>
           </p:cNvSpPr>
@@ -7059,6 +6946,7 @@
               <a:rPr lang="en-gb" sz="1600"/>
               <a:t>[1] P. Datta, A. S. Namin, and M. Chatterjee, “A survey of privacy concerns in wearable devices,” in 2018 IEEE International Conference on Big Data (Big Data), IEEE, 2018, pp. 4549–4553.</a:t>
             </a:r>
+            <a:endParaRPr lang="en-gb" sz="1600"/>
           </a:p>
           <a:p>
             <a:pPr marL="271780" indent="-271780" algn="just">
@@ -7144,7 +7032,6 @@
               </a:spcAft>
               <a:defRPr lang="en-gb" sz="1600"/>
             </a:pPr>
-            <a:endParaRPr/>
           </a:p>
           <a:p>
             <a:pPr marL="271780" indent="-271780" algn="just">
@@ -7153,7 +7040,6 @@
               </a:spcAft>
               <a:defRPr lang="de-de"/>
             </a:pPr>
-            <a:endParaRPr/>
           </a:p>
           <a:p>
             <a:pPr marL="271780" indent="-271780" algn="l">
@@ -7182,7 +7068,7 @@
             <a:spLocks noGrp="1" noChangeArrowheads="1"/>
             <a:extLst>
               <a:ext uri="smNativeData">
-                <pr:smNativeData xmlns:pr="smNativeData" xmlns:p14="http://schemas.microsoft.com/office/powerpoint/2010/main" xmlns="" val="SMDATA_13_ec9PYBMAAAAlAAAAZAAAAA0AAAAAAAAAAAAAAAAAAAAAAAAAAAAAAAAAAAAAAAAAAAEAAABQAAAAAAAAAAAA4D8AAAAAAADgPwAAAAAAAOA/AAAAAAAA4D8AAAAAAADgPwAAAAAAAOA/AAAAAAAA4D8AAAAAAADgPwAAAAAAAOA/AAAAAAAA4D8CAAAAjAAAAAAAAAAAAAAAT4G9DP///wgAAAAAAAAAAAAAAAAAAAAAAAAAAAAAAAAAAAAAZAAAAAEAAABAAAAAAAAAAAAAAAAAAAAAAAAAAAAAAAAAAAAAAAAAAAAAAAAAAAAAAAAAAAAAAAAAAAAAAAAAAAAAAAAAAAAAAAAAAAAAAAAAAAAAAAAAAAAAAAAAAAAAFAAAADwAAAAAAAAAAAAAAAAAAAkUAAAAAQAAABQAAAAUAAAAFAAAAAEAAAAAAAAAZAAAAGQAAAAAAAAAZAAAAGQAAAAVAAAAYAAAAAAAAAAAAAAADwAAACADAAAAAAAAAAAAAAEAAACgMgAAVgcAAKr4//8BAAAAf39/AAEAAABkAAAAAAAAABQAAABAHwAAAAAAACYAAAAAAAAAwOD//wAAAAAmAAAAZAAAABYAAABMAAAAAAAAAAAAAAAEAAAAAAAAAAEAAADu7OEKAAAAACgAAAAoAAAAZAAAAGQAAAAAAAAAzMzMAAAAAABQAAAAUAAAAGQAAABkAAAAAAAAABcAAAAUAAAAAAAAAAAAAAD/fwAA/38AAAAAAAAJAAAABAAAAAAAAAAMAAAAEAAAAAAAAAAAAAAAAAAAAAAAAAAeAAAAaAAAAAAAAAAAAAAAAAAAAAAAAAAAAAAAECcAABAnAAAAAAAAAAAAAAAAAAAAAAAAAAAAAAAAAAAAAAAAAAAAABQAAAAAAAAAwMD/AAAAAABkAAAAMgAAAAAAAABkAAAAAAAAAH9/fwAKAAAAHwAAAFQAAABPgb0F////AQAAAAAAAAAAAAAAAAAAAAAAAAAAAAAAAAAAAAAAAAAAAAAAAn9/fwDu7OEDzMzMAMDA/wB/f38AAAAAAAAAAAAAAAAAAAAAAAAAAAAhAAAAGAAAABQAAADqAQAA4DgAAPAKAACYOgAAEAAAACYAAAAIAAAAAQAAAAAAAAA="/>
+                <pr:smNativeData xmlns:pr="smNativeData" val="SMDATA_13_eIVQYBMAAAAlAAAAZAAAAA0AAAAAAAAAAAAAAAAAAAAAAAAAAAAAAAAAAAAAAAAAAAEAAABQAAAAAAAAAAAA4D8AAAAAAADgPwAAAAAAAOA/AAAAAAAA4D8AAAAAAADgPwAAAAAAAOA/AAAAAAAA4D8AAAAAAADgPwAAAAAAAOA/AAAAAAAA4D8CAAAAjAAAAAAAAAAAAAAA////AP///wgAAAAAAAAAAAAAAAAAAAAAAAAAAAAAAAAAAAAAeAAAAAEAAABAAAAAAAAAAAAAAABaAAAAAAAAAAAAAAAAAAAAAAAAAAAAAAAAAAAAAAAAAAAAAAAAAAAAAAAAAAAAAAAAAAAAAAAAAAAAAAAAAAAAAAAAAAAAAAAAAAAAFAAAADwAAAAAAAAAAAAAAAAAAAAPAAAAAQAAACMAAAAjAAAAIwAAAB4AAAAAAAAAZAAAAGQAAAAAAAAAZAAAAGQAAAAVAAAAYAAAAAAAAAAAAAAADwAAACADAAAAAAAAAAAAAAEAAACgMgAAVgcAAKr4//8BAAAAf39/AAEAAABkAAAAAAAAABQAAABAHwAAAAAAACYAAAAAAAAAwOD//wAAAAAmAAAAZAAAABYAAABMAAAAAAAAAAAAAAAEAAAAAAAAAAEAAADu7OEKAAAAACgAAAAoAAAAZAAAAGQAAAAAAAAAzMzMAAAAAABQAAAAUAAAAGQAAABkAAAAAAAAABcAAAAUAAAAAAAAAAAAAAD/fwAA/38AAAAAAAAJAAAABAAAAAAAAAAMAAAAEAAAAAAAAAAAAAAAAAAAAAAAAAAeAAAAaAAAAAAAAAAAAAAAAAAAAAAAAAAAAAAAECcAABAnAAAAAAAAAAAAAAAAAAAAAAAAAAAAAAAAAAAAAAAAAAAAABQAAAAAAAAAwMD/AAAAAABkAAAAMgAAAAAAAABkAAAAAAAAAH9/fwAKAAAAHwAAAFQAAAD///8A////AQAAAAAAAAAAAAAAAAAAAAAAAAAAAAAAAAAAAAAAAAAAAAAAAH9/fwDu7OEDzMzMAMDA/wB/f38AAAAAAAAAAAAAAAAAAAAAAAAAAAAhAAAAGAAAABQAAADqAQAA4DgAAPAKAACYOgAAEAAAACYAAAAIAAAAAAAAAAAAAAA="/>
               </a:ext>
             </a:extLst>
           </p:cNvSpPr>
@@ -7190,12 +7076,7 @@
             <p:ph type="dt" sz="half" idx="2"/>
           </p:nvPr>
         </p:nvSpPr>
-        <p:spPr>
-          <a:xfrm>
-            <a:off x="311150" y="9245600"/>
-            <a:ext cx="1466850" cy="279400"/>
-          </a:xfrm>
-        </p:spPr>
+        <p:spPr/>
         <p:txBody>
           <a:bodyPr/>
           <a:lstStyle/>
@@ -7216,7 +7097,7 @@
             <a:spLocks noGrp="1" noChangeArrowheads="1"/>
             <a:extLst>
               <a:ext uri="smNativeData">
-                <pr:smNativeData xmlns:pr="smNativeData" xmlns:p14="http://schemas.microsoft.com/office/powerpoint/2010/main" xmlns="" val="SMDATA_13_ec9PYBMAAAAlAAAAZAAAAA0AAAAAAAAAAAAAAAAAAAAAAAAAAAAAAAAAAAAAAAAAAAEAAABQAAAAAAAAAAAA4D8AAAAAAADgPwAAAAAAAOA/AAAAAAAA4D8AAAAAAADgPwAAAAAAAOA/AAAAAAAA4D8AAAAAAADgPwAAAAAAAOA/AAAAAAAA4D8CAAAAjAAAAAAAAAAAAAAAT4G9DP///wgAAAAAAAAAAAAAAAAAAAAAAAAAAAAAAAAAAAAAZAAAAAEAAABAAAAAAAAAAAAAAAAAAAAAAAAAAAAAAAAAAAAAAAAAAAAAAAAAAAAAAAAAAAAAAAAAAAAAAAAAAAAAAAAAAAAAAAAAAAAAAAAAAAAAAAAAAAAAAAAAAAAAFAAAADwAAAAAAAAAAAAAAAAAAAkUAAAAAQAAABQAAAAUAAAAFAAAAAEAAAAAAAAAZAAAAGQAAAAAAAAAZAAAAGQAAAAVAAAAYAAAAAAAAAAAAAAADwAAACADAAAAAAAAAAAAAAEAAACgMgAAVgcAAKr4//8BAAAAf39/AAEAAABkAAAAAAAAABQAAABAHwAAAAAAACYAAAAAAAAAwOD//wAAAAAmAAAAZAAAABYAAABMAAAAAAAAAAAAAAAEAAAAAAAAAAEAAADu7OEKAAAAACgAAAAoAAAAZAAAAGQAAAAAAAAAzMzMAAAAAABQAAAAUAAAAGQAAABkAAAAAAAAABcAAAAUAAAAAAAAAAAAAAD/fwAA/38AAAAAAAAJAAAABAAAAAAAAAAMAAAAEAAAAAAAAAAAAAAAAAAAAAAAAAAeAAAAaAAAAAAAAAAAAAAAAAAAAAAAAAAAAAAAECcAABAnAAAAAAAAAAAAAAAAAAAAAAAAAAAAAAAAAAAAAAAAAAAAABQAAAAAAAAAwMD/AAAAAABkAAAAMgAAAAAAAABkAAAAAAAAAH9/fwAKAAAAHwAAAFQAAABPgb0F////AQAAAAAAAAAAAAAAAAAAAAAAAAAAAAAAAAAAAAAAAAAAAAAAAn9/fwDu7OEDzMzMAMDA/wB/f38AAAAAAAAAAAAAAAAAAAAAAAAAAAAhAAAAGAAAABQAAADQSAAAGDkAABZOAACYOgAAEAAAACYAAAAIAAAAAAAAAAAAAAA="/>
+                <pr:smNativeData xmlns:pr="smNativeData" val="SMDATA_13_eIVQYBMAAAAlAAAAZAAAAA0AAAAAAAAAAAAAAAAAAAAAAAAAAAAAAAAAAAAAAAAAAAEAAABQAAAAAAAAAAAA4D8AAAAAAADgPwAAAAAAAOA/AAAAAAAA4D8AAAAAAADgPwAAAAAAAOA/AAAAAAAA4D8AAAAAAADgPwAAAAAAAOA/AAAAAAAA4D8CAAAAjAAAAAAAAAAAAAAA////AP///wgAAAAAAAAAAAAAAAAAAAAAAAAAAAAAAAAAAAAAeAAAAAEAAABAAAAAAAAAAAAAAABaAAAAAAAAAAAAAAAAAAAAAAAAAAAAAAAAAAAAAAAAAAAAAAAAAAAAAAAAAAAAAAAAAAAAAAAAAAAAAAAAAAAAAAAAAAAAAAAAAAAAFAAAADwAAAAAAAAAAAAAAAAAAAAPAAAAAQAAACMAAAAjAAAAIwAAAB4AAAAAAAAAZAAAAGQAAAAAAAAAZAAAAGQAAAAVAAAAYAAAAAAAAAAAAAAADwAAACADAAAAAAAAAAAAAAEAAACgMgAAVgcAAKr4//8BAAAAf39/AAEAAABkAAAAAAAAABQAAABAHwAAAAAAACYAAAAAAAAAwOD//wAAAAAmAAAAZAAAABYAAABMAAAAAAAAAAAAAAAEAAAAAAAAAAEAAADu7OEKAAAAACgAAAAoAAAAZAAAAGQAAAAAAAAAzMzMAAAAAABQAAAAUAAAAGQAAABkAAAAAAAAABcAAAAUAAAAAAAAAAAAAAD/fwAA/38AAAAAAAAJAAAABAAAAAAAAAAMAAAAEAAAAAAAAAAAAAAAAAAAAAAAAAAeAAAAaAAAAAAAAAAAAAAAAAAAAAAAAAAAAAAAECcAABAnAAAAAAAAAAAAAAAAAAAAAAAAAAAAAAAAAAAAAAAAAAAAABQAAAAAAAAAwMD/AAAAAABkAAAAMgAAAAAAAABkAAAAAAAAAH9/fwAKAAAAHwAAAFQAAAD///8A////AQAAAAAAAAAAAAAAAAAAAAAAAAAAAAAAAAAAAAAAAAAAAAAAAH9/fwDu7OEDzMzMAMDA/wB/f38AAAAAAAAAAAAAAAAAAAAAAAAAAAAhAAAAGAAAABQAAADQSAAAGDkAABZOAACYOgAAEAAAACYAAAAIAAAAAAAAAAAAAAA="/>
               </a:ext>
             </a:extLst>
           </p:cNvSpPr>
@@ -7232,10 +7113,9 @@
             <a:pPr>
               <a:defRPr lang="de-de"/>
             </a:pPr>
-            <a:fld id="{65E18926-6888-B47F-C659-9E2AC71730CB}" type="slidenum">
+            <a:fld id="{0465078A-C4E9-30F1-A7DD-32A449935167}" type="slidenum">
               <a:t>18</a:t>
             </a:fld>
-            <a:endParaRPr/>
           </a:p>
         </p:txBody>
       </p:sp>
@@ -7244,11 +7124,18 @@
   <p:clrMapOvr>
     <a:masterClrMapping/>
   </p:clrMapOvr>
+  <p:timing>
+    <p:tnLst>
+      <p:par>
+        <p:cTn id="1" dur="indefinite" restart="never" nodeType="tmRoot"/>
+      </p:par>
+    </p:tnLst>
+  </p:timing>
 </p:sld>
 </file>
 
 <file path=ppt/slides/slide2.xml><?xml version="1.0" encoding="utf-8"?>
-<p:sld xmlns:a="http://schemas.openxmlformats.org/drawingml/2006/main" xmlns:r="http://schemas.openxmlformats.org/officeDocument/2006/relationships" xmlns:p="http://schemas.openxmlformats.org/presentationml/2006/main">
+<p:sld xmlns:p="http://schemas.openxmlformats.org/presentationml/2006/main" xmlns:p14="http://schemas.microsoft.com/office/powerpoint/2010/main" xmlns:r="http://schemas.openxmlformats.org/officeDocument/2006/relationships" xmlns:a="http://schemas.openxmlformats.org/drawingml/2006/main">
   <p:cSld>
     <p:spTree>
       <p:nvGrpSpPr>
@@ -7271,7 +7158,7 @@
             <a:spLocks noGrp="1" noChangeArrowheads="1"/>
             <a:extLst>
               <a:ext uri="smNativeData">
-                <pr:smNativeData xmlns:pr="smNativeData" xmlns:p14="http://schemas.microsoft.com/office/powerpoint/2010/main" xmlns="" val="SMDATA_13_ec9PYBMAAAAlAAAAZAAAAE0AAAAAAAAAAAAAAAAAAAAAAAAAAAAAAAAAAAAAAAAAAAEAAABQAAAAAAAAAAAA4D8AAAAAAADgPwAAAAAAAOA/AAAAAAAA4D8AAAAAAADgPwAAAAAAAOA/AAAAAAAA4D8AAAAAAADgPwAAAAAAAOA/AAAAAAAA4D8CAAAAjAAAAAAAAAAAAAAAT4G9DP///wgAAAAAAAAAAAAAAAAAAAAAAAAAAAAAAAAAAAAAZAAAAAEAAABAAAAAAAAAAAAAAAAAAAAAAAAAAAAAAAAAAAAAAAAAAAAAAAAAAAAAAAAAAAAAAAAAAAAAAAAAAAAAAAAAAAAAAAAAAAAAAAAAAAAAAAAAAAAAAAAAAAAAFAAAADwAAAAAAAAAAAAAAAAAAAkUAAAAAQAAABQAAAAUAAAAFAAAAAEAAAAAAAAAZAAAAGQAAAAAAAAAZAAAAGQAAAAVAAAAYAAAAAAAAAAAAAAADwAAACADAAAAAAAAAAAAAAEAAACgMgAAVgcAAKr4//8BAAAAf39/AAEAAABkAAAAAAAAABQAAABAHwAAAAAAACYAAAAAAAAAwOD//wAAAAAmAAAAZAAAABYAAABMAAAAAAAAAAAAAAAEAAAAAAAAAAEAAADu7OEKAAAAACgAAAAoAAAAZAAAAGQAAAAAAAAAzMzMAAAAAABQAAAAUAAAAGQAAABkAAAAAAAAABcAAAAUAAAAAAAAAAAAAAD/fwAA/38AAAAAAAAJAAAABAAAAIMAAAAMAAAAEAAAAAAAAAAAAAAAAAAAAAAAAAAeAAAAaAAAAAAAAAAAAAAAAAAAAAAAAAAAAAAAECcAABAnAAAAAAAAAAAAAAAAAAAAAAAAAAAAAAAAAAAAAAAAAAAAABQAAAAAAAAAwMD/AAAAAABkAAAAMgAAAAAAAABkAAAAAAAAAH9/fwAKAAAAHwAAAFQAAABPgb0F////AQAAAAAAAAAAAAAAAAAAAAAAAAAAAAAAAAAAAAAAAAAAAAAAAn9/fwDu7OEDzMzMAMDA/wB/f38AAAAAAAAAAAAAAAAAAAAAAAAAAAAhAAAAGAAAABQAAADIBQAAiQsAAHpIAACzDwAAECAAACYAAAAIAAAAAAAAAAAAAAA="/>
+                <pr:smNativeData xmlns:pr="smNativeData" val="SMDATA_13_eIVQYBMAAAAlAAAAZAAAAA0AAAAAAAAAAAAAAAAAAAAAAAAAAAAAAAAAAAAAAAAAAAEAAABQAAAAAAAAAAAA4D8AAAAAAADgPwAAAAAAAOA/AAAAAAAA4D8AAAAAAADgPwAAAAAAAOA/AAAAAAAA4D8AAAAAAADgPwAAAAAAAOA/AAAAAAAA4D8CAAAAjAAAAAAAAAAAAAAA////AP///wgAAAAAAAAAAAAAAAAAAAAAAAAAAAAAAAAAAAAAeAAAAAEAAABAAAAAAAAAAAAAAABaAAAAAAAAAAAAAAAAAAAAAAAAAAAAAAAAAAAAAAAAAAAAAAAAAAAAAAAAAAAAAAAAAAAAAAAAAAAAAAAAAAAAAAAAAAAAAAAAAAAAFAAAADwAAAAAAAAAAAAAAAAAAAAPAAAAAQAAACMAAAAjAAAAIwAAAB4AAAAAAAAAZAAAAGQAAAAAAAAAZAAAAGQAAAAVAAAAYAAAAAAAAAAAAAAADwAAACADAAAAAAAAAAAAAAEAAACgMgAAVgcAAKr4//8BAAAAf39/AAEAAABkAAAAAAAAABQAAABAHwAAAAAAACYAAAAAAAAAwOD//wAAAAAmAAAAZAAAABYAAABMAAAAAAAAAAAAAAAEAAAAAAAAAAEAAADu7OEKAAAAACgAAAAoAAAAZAAAAGQAAAAAAAAAzMzMAAAAAABQAAAAUAAAAGQAAABkAAAAAAAAABcAAAAUAAAAAAAAAAAAAAD/fwAA/38AAAAAAAAJAAAABAAAAPkGAAAMAAAAEAAAAAAAAAAAAAAAAAAAAAAAAAAeAAAAaAAAAAAAAAAAAAAAAAAAAAAAAAAAAAAAECcAABAnAAAAAAAAAAAAAAAAAAAAAAAAAAAAAAAAAAAAAAAAAAAAABQAAAAAAAAAwMD/AAAAAABkAAAAMgAAAAAAAABkAAAAAAAAAH9/fwAKAAAAHwAAAFQAAAD///8A////AQAAAAAAAAAAAAAAAAAAAAAAAAAAAAAAAAAAAAAAAAAAAAAAAH9/fwDu7OEDzMzMAMDA/wB/f38AAAAAAAAAAAAAAAAAAAAAAAAAAAAhAAAAGAAAABQAAADIBQAAiQsAAHpIAACzDwAAEAAAACYAAAAIAAAAAAAAAAAAAAA="/>
               </a:ext>
             </a:extLst>
           </p:cNvSpPr>
@@ -7300,7 +7187,7 @@
             <a:spLocks noGrp="1" noChangeArrowheads="1"/>
             <a:extLst>
               <a:ext uri="smNativeData">
-                <pr:smNativeData xmlns:pr="smNativeData" xmlns:p14="http://schemas.microsoft.com/office/powerpoint/2010/main" xmlns="" val="SMDATA_13_ec9PYBMAAAAlAAAAZAAAAE0AAAAAAAAAAAAAAAAAAAAAAAAAAAAAAAAAAAAAAAAAAAEAAABQAAAAAAAAAAAA4D8AAAAAAADgPwAAAAAAAOA/AAAAAAAA4D8AAAAAAADgPwAAAAAAAOA/AAAAAAAA4D8AAAAAAADgPwAAAAAAAOA/AAAAAAAA4D8CAAAAjAAAAAAAAAAAAAAAT4G9DP///wgAAAAAAAAAAAAAAAAAAAAAAAAAAAAAAAAAAAAAZAAAAAEAAABAAAAAAAAAAAAAAAAAAAAAAAAAAAAAAAAAAAAAAAAAAAAAAAAAAAAAAAAAAAAAAAAAAAAAAAAAAAAAAAAAAAAAAAAAAAAAAAAAAAAAAAAAAAAAAAAAAAAAFAAAADwAAAAAAAAAAAAAAAAAAAkUAAAAAQAAABQAAAAUAAAAFAAAAAEAAAAAAAAAZAAAAGQAAAAAAAAAZAAAAGQAAAAVAAAAYAAAAAAAAAAAAAAADwAAACADAAAAAAAAAAAAAAEAAACgMgAAVgcAAKr4//8BAAAAf39/AAEAAABkAAAAAAAAABQAAABAHwAAAAAAACYAAAAAAAAAwOD//wAAAAAmAAAAZAAAABYAAABMAAAAAAAAAAAAAAAEAAAAAAAAAAEAAADu7OEKAAAAACgAAAAoAAAAZAAAAGQAAAAAAAAAzMzMAAAAAABQAAAAUAAAAGQAAABkAAAAAAAAABcAAAAUAAAAAAAAAAAAAAD/fwAA/38AAAAAAAAJAAAABAAAAOwEAAAMAAAAEAAAAAAAAAAAAAAAAAAAAAAAAAAeAAAAaAAAAAAAAAAAAAAAAAAAAAAAAAAAAAAAECcAABAnAAAAAAAAAAAAAAAAAAAAAAAAAAAAAAAAAAAAAAAAAAAAABQAAAAAAAAAwMD/AAAAAABkAAAAMgAAAAAAAABkAAAAAAAAAH9/fwAKAAAAHwAAAFQAAABPgb0F////AQAAAAAAAAAAAAAAAAAAAAAAAAAAAAAAAAAAAAAAAAAAAAAAAn9/fwDu7OEDzMzMAMDA/wB/f38AAAAAAAAAAAAAAAAAAAAAAAAAAAAhAAAAGAAAABQAAADIBQAAwBIAAHpIAAAwLQAAACAAACYAAAAIAAAAAYAAAAAAAAA="/>
+                <pr:smNativeData xmlns:pr="smNativeData" val="SMDATA_13_eIVQYBMAAAAlAAAAZAAAAA0AAAAAAAAAAAAAAAAAAAAAAAAAAAAAAAAAAAAAAAAAAAEAAABQAAAAAAAAAAAA4D8AAAAAAADgPwAAAAAAAOA/AAAAAAAA4D8AAAAAAADgPwAAAAAAAOA/AAAAAAAA4D8AAAAAAADgPwAAAAAAAOA/AAAAAAAA4D8CAAAAjAAAAAAAAAAAAAAA////AP///wgAAAAAAAAAAAAAAAAAAAAAAAAAAAAAAAAAAAAAeAAAAAEAAABAAAAAAAAAAAAAAABaAAAAAAAAAAAAAAAAAAAAAAAAAAAAAAAAAAAAAAAAAAAAAAAAAAAAAAAAAAAAAAAAAAAAAAAAAAAAAAAAAAAAAAAAAAAAAAAAAAAAFAAAADwAAAAAAAAAAAAAAAAAAAAPAAAAAQAAACMAAAAjAAAAIwAAAB4AAAAAAAAAZAAAAGQAAAAAAAAAZAAAAGQAAAAVAAAAYAAAAAAAAAAAAAAADwAAACADAAAAAAAAAAAAAAEAAACgMgAAVgcAAKr4//8BAAAAf39/AAEAAABkAAAAAAAAABQAAABAHwAAAAAAACYAAAAAAAAAwOD//wAAAAAmAAAAZAAAABYAAABMAAAAAAAAAAAAAAAEAAAAAAAAAAEAAADu7OEKAAAAACgAAAAoAAAAZAAAAGQAAAAAAAAAzMzMAAAAAABQAAAAUAAAAGQAAABkAAAAAAAAABcAAAAUAAAAAAAAAAAAAAD/fwAA/38AAAAAAAAJAAAABAAAAAAPTLoMAAAAEAAAAAAAAAAAAAAAAAAAAAAAAAAeAAAAaAAAAAAAAAAAAAAAAAAAAAAAAAAAAAAAECcAABAnAAAAAAAAAAAAAAAAAAAAAAAAAAAAAAAAAAAAAAAAAAAAABQAAAAAAAAAwMD/AAAAAABkAAAAMgAAAAAAAABkAAAAAAAAAH9/fwAKAAAAHwAAAFQAAAD///8A////AQAAAAAAAAAAAAAAAAAAAAAAAAAAAAAAAAAAAAAAAAAAAAAAAH9/fwDu7OEDzMzMAMDA/wB/f38AAAAAAAAAAAAAAAAAAAAAAAAAAAAhAAAAGAAAABQAAADIBQAAwBIAAHpIAAAwLQAAEAAAACYAAAAIAAAAAYAAAAAAAAA="/>
               </a:ext>
             </a:extLst>
           </p:cNvSpPr>
@@ -7328,7 +7215,7 @@
                 <a:schemeClr val="accent1"/>
               </a:buClr>
               <a:buSzPts val="2910"/>
-              <a:buFont typeface="Wingdings" charset="0"/>
+              <a:buFont typeface="Wingdings" pitchFamily="0" charset="0"/>
               <a:buChar char="§"/>
               <a:tabLst/>
               <a:defRPr lang="de-de" sz="2800" b="0" i="0" baseline="0">
@@ -7359,7 +7246,7 @@
               <a:lnSpc>
                 <a:spcPct val="150000"/>
               </a:lnSpc>
-              <a:buFont typeface="Wingdings" charset="0"/>
+              <a:buFont typeface="Wingdings" pitchFamily="0" charset="0"/>
               <a:buChar char="§"/>
               <a:defRPr lang="de-de" sz="2000" b="0" i="0" baseline="0">
                 <a:solidFill>
@@ -7398,6 +7285,7 @@
               <a:rPr lang="en-us"/>
               <a:t>Introduction</a:t>
             </a:r>
+            <a:endParaRPr lang="en-us"/>
           </a:p>
           <a:p>
             <a:pPr defTabSz="360045">
@@ -7444,6 +7332,7 @@
               <a:rPr lang="en-us"/>
               <a:t>Conclusion</a:t>
             </a:r>
+            <a:endParaRPr lang="en-us"/>
           </a:p>
         </p:txBody>
       </p:sp>
@@ -7454,7 +7343,7 @@
             <a:spLocks noGrp="1" noChangeArrowheads="1"/>
             <a:extLst>
               <a:ext uri="smNativeData">
-                <pr:smNativeData xmlns:pr="smNativeData" xmlns:p14="http://schemas.microsoft.com/office/powerpoint/2010/main" xmlns="" val="SMDATA_13_ec9PYBMAAAAlAAAAZAAAAA0AAAAAAAAAAAAAAAAAAAAAAAAAAAAAAAAAAAAAAAAAAAEAAABQAAAAAAAAAAAA4D8AAAAAAADgPwAAAAAAAOA/AAAAAAAA4D8AAAAAAADgPwAAAAAAAOA/AAAAAAAA4D8AAAAAAADgPwAAAAAAAOA/AAAAAAAA4D8CAAAAjAAAAAAAAAAAAAAAT4G9DP///wgAAAAAAAAAAAAAAAAAAAAAAAAAAAAAAAAAAAAAZAAAAAEAAABAAAAAAAAAAAAAAAAAAAAAAAAAAAAAAAAAAAAAAAAAAAAAAAAAAAAAAAAAAAAAAAAAAAAAAAAAAAAAAAAAAAAAAAAAAAAAAAAAAAAAAAAAAAAAAAAAAAAAFAAAADwAAAAAAAAAAAAAAAAAAAkUAAAAAQAAABQAAAAUAAAAFAAAAAEAAAAAAAAAZAAAAGQAAAAAAAAAZAAAAGQAAAAVAAAAYAAAAAAAAAAAAAAADwAAACADAAAAAAAAAAAAAAEAAACgMgAAVgcAAKr4//8BAAAAf39/AAEAAABkAAAAAAAAABQAAABAHwAAAAAAACYAAAAAAAAAwOD//wAAAAAmAAAAZAAAABYAAABMAAAAAAAAAAAAAAAEAAAAAAAAAAEAAADu7OEKAAAAACgAAAAoAAAAZAAAAGQAAAAAAAAAzMzMAAAAAABQAAAAUAAAAGQAAABkAAAAAAAAABcAAAAUAAAAAAAAAAAAAAD/fwAA/38AAAAAAAAJAAAABAAAAIwXAAAMAAAAEAAAAAAAAAAAAAAAAAAAAAAAAAAeAAAAaAAAAAAAAAAAAAAAAAAAAAAAAAAAAAAAECcAABAnAAAAAAAAAAAAAAAAAAAAAAAAAAAAAAAAAAAAAAAAAAAAABQAAAAAAAAAwMD/AAAAAABkAAAAMgAAAAAAAABkAAAAAAAAAH9/fwAKAAAAHwAAAFQAAABPgb0F////AQAAAAAAAAAAAAAAAAAAAAAAAAAAAAAAAAAAAAAAAAAAAAAAAn9/fwDu7OEDzMzMAMDA/wB/f38AAAAAAAAAAAAAAAAAAAAAAAAAAAAhAAAAGAAAABQAAADqAQAA4DgAAPAKAACYOgAAEAAAACYAAAAIAAAAAQAAAAAAAAA="/>
+                <pr:smNativeData xmlns:pr="smNativeData" val="SMDATA_13_eIVQYBMAAAAlAAAAZAAAAA0AAAAAAAAAAAAAAAAAAAAAAAAAAAAAAAAAAAAAAAAAAAEAAABQAAAAAAAAAAAA4D8AAAAAAADgPwAAAAAAAOA/AAAAAAAA4D8AAAAAAADgPwAAAAAAAOA/AAAAAAAA4D8AAAAAAADgPwAAAAAAAOA/AAAAAAAA4D8CAAAAjAAAAAAAAAAAAAAA////AP///wgAAAAAAAAAAAAAAAAAAAAAAAAAAAAAAAAAAAAAeAAAAAEAAABAAAAAAAAAAAAAAABaAAAAAAAAAAAAAAAAAAAAAAAAAAAAAAAAAAAAAAAAAAAAAAAAAAAAAAAAAAAAAAAAAAAAAAAAAAAAAAAAAAAAAAAAAAAAAAAAAAAAFAAAADwAAAAAAAAAAAAAAAAAAAAPAAAAAQAAACMAAAAjAAAAIwAAAB4AAAAAAAAAZAAAAGQAAAAAAAAAZAAAAGQAAAAVAAAAYAAAAAAAAAAAAAAADwAAACADAAAAAAAAAAAAAAEAAACgMgAAVgcAAKr4//8BAAAAf39/AAEAAABkAAAAAAAAABQAAABAHwAAAAAAACYAAAAAAAAAwOD//wAAAAAmAAAAZAAAABYAAABMAAAAAAAAAAAAAAAEAAAAAAAAAAEAAADu7OEKAAAAACgAAAAoAAAAZAAAAGQAAAAAAAAAzMzMAAAAAABQAAAAUAAAAGQAAABkAAAAAAAAABcAAAAUAAAAAAAAAAAAAAD/fwAA/38AAAAAAAAJAAAABAAAAOwEAAAMAAAAEAAAAAAAAAAAAAAAAAAAAAAAAAAeAAAAaAAAAAAAAAAAAAAAAAAAAAAAAAAAAAAAECcAABAnAAAAAAAAAAAAAAAAAAAAAAAAAAAAAAAAAAAAAAAAAAAAABQAAAAAAAAAwMD/AAAAAABkAAAAMgAAAAAAAABkAAAAAAAAAH9/fwAKAAAAHwAAAFQAAAD///8A////AQAAAAAAAAAAAAAAAAAAAAAAAAAAAAAAAAAAAAAAAAAAAAAAAH9/fwDu7OEDzMzMAMDA/wB/f38AAAAAAAAAAAAAAAAAAAAAAAAAAAAhAAAAGAAAABQAAADqAQAA4DgAAPAKAACYOgAAEAAAACYAAAAIAAAAAAAAAAAAAAA="/>
               </a:ext>
             </a:extLst>
           </p:cNvSpPr>
@@ -7462,12 +7351,7 @@
             <p:ph type="dt" sz="half" idx="2"/>
           </p:nvPr>
         </p:nvSpPr>
-        <p:spPr>
-          <a:xfrm>
-            <a:off x="311150" y="9245600"/>
-            <a:ext cx="1466850" cy="279400"/>
-          </a:xfrm>
-        </p:spPr>
+        <p:spPr/>
         <p:txBody>
           <a:bodyPr/>
           <a:lstStyle/>
@@ -7488,7 +7372,7 @@
             <a:spLocks noGrp="1" noChangeArrowheads="1"/>
             <a:extLst>
               <a:ext uri="smNativeData">
-                <pr:smNativeData xmlns:pr="smNativeData" xmlns:p14="http://schemas.microsoft.com/office/powerpoint/2010/main" xmlns="" val="SMDATA_13_ec9PYBMAAAAlAAAAZAAAAA0AAAAAAAAAAAAAAAAAAAAAAAAAAAAAAAAAAAAAAAAAAAEAAABQAAAAAAAAAAAA4D8AAAAAAADgPwAAAAAAAOA/AAAAAAAA4D8AAAAAAADgPwAAAAAAAOA/AAAAAAAA4D8AAAAAAADgPwAAAAAAAOA/AAAAAAAA4D8CAAAAjAAAAAAAAAAAAAAAT4G9DP///wgAAAAAAAAAAAAAAAAAAAAAAAAAAAAAAAAAAAAAZAAAAAEAAABAAAAAAAAAAAAAAAAAAAAAAAAAAAAAAAAAAAAAAAAAAAAAAAAAAAAAAAAAAAAAAAAAAAAAAAAAAAAAAAAAAAAAAAAAAAAAAAAAAAAAAAAAAAAAAAAAAAAAFAAAADwAAAAAAAAAAAAAAAAAAAkUAAAAAQAAABQAAAAUAAAAFAAAAAEAAAAAAAAAZAAAAGQAAAAAAAAAZAAAAGQAAAAVAAAAYAAAAAAAAAAAAAAADwAAACADAAAAAAAAAAAAAAEAAACgMgAAVgcAAKr4//8BAAAAf39/AAEAAABkAAAAAAAAABQAAABAHwAAAAAAACYAAAAAAAAAwOD//wAAAAAmAAAAZAAAABYAAABMAAAAAAAAAAAAAAAEAAAAAAAAAAEAAADu7OEKAAAAACgAAAAoAAAAZAAAAGQAAAAAAAAAzMzMAAAAAABQAAAAUAAAAGQAAABkAAAAAAAAABcAAAAUAAAAAAAAAAAAAAD/fwAA/38AAAAAAAAJAAAABAAAAGYSAAAMAAAAEAAAAAAAAAAAAAAAAAAAAAAAAAAeAAAAaAAAAAAAAAAAAAAAAAAAAAAAAAAAAAAAECcAABAnAAAAAAAAAAAAAAAAAAAAAAAAAAAAAAAAAAAAAAAAAAAAABQAAAAAAAAAwMD/AAAAAABkAAAAMgAAAAAAAABkAAAAAAAAAH9/fwAKAAAAHwAAAFQAAABPgb0F////AQAAAAAAAAAAAAAAAAAAAAAAAAAAAAAAAAAAAAAAAAAAAAAAAn9/fwDu7OEDzMzMAMDA/wB/f38AAAAAAAAAAAAAAAAAAAAAAAAAAAAhAAAAGAAAABQAAADQSAAAGDkAABZOAACYOgAAEAAAACYAAAAIAAAAAAAAAAAAAAA="/>
+                <pr:smNativeData xmlns:pr="smNativeData" val="SMDATA_13_eIVQYBMAAAAlAAAAZAAAAA0AAAAAAAAAAAAAAAAAAAAAAAAAAAAAAAAAAAAAAAAAAAEAAABQAAAAAAAAAAAA4D8AAAAAAADgPwAAAAAAAOA/AAAAAAAA4D8AAAAAAADgPwAAAAAAAOA/AAAAAAAA4D8AAAAAAADgPwAAAAAAAOA/AAAAAAAA4D8CAAAAjAAAAAAAAAAAAAAA////AP///wgAAAAAAAAAAAAAAAAAAAAAAAAAAAAAAAAAAAAAeAAAAAEAAABAAAAAAAAAAAAAAABaAAAAAAAAAAAAAAAAAAAAAAAAAAAAAAAAAAAAAAAAAAAAAAAAAAAAAAAAAAAAAAAAAAAAAAAAAAAAAAAAAAAAAAAAAAAAAAAAAAAAFAAAADwAAAAAAAAAAAAAAAAAAAAPAAAAAQAAACMAAAAjAAAAIwAAAB4AAAAAAAAAZAAAAGQAAAAAAAAAZAAAAGQAAAAVAAAAYAAAAAAAAAAAAAAADwAAACADAAAAAAAAAAAAAAEAAACgMgAAVgcAAKr4//8BAAAAf39/AAEAAABkAAAAAAAAABQAAABAHwAAAAAAACYAAAAAAAAAwOD//wAAAAAmAAAAZAAAABYAAABMAAAAAAAAAAAAAAAEAAAAAAAAAAEAAADu7OEKAAAAACgAAAAoAAAAZAAAAGQAAAAAAAAAzMzMAAAAAABQAAAAUAAAAGQAAABkAAAAAAAAABcAAAAUAAAAAAAAAAAAAAD/fwAA/38AAAAAAAAJAAAABAAAAEAnAAAMAAAAEAAAAAAAAAAAAAAAAAAAAAAAAAAeAAAAaAAAAAAAAAAAAAAAAAAAAAAAAAAAAAAAECcAABAnAAAAAAAAAAAAAAAAAAAAAAAAAAAAAAAAAAAAAAAAAAAAABQAAAAAAAAAwMD/AAAAAABkAAAAMgAAAAAAAABkAAAAAAAAAH9/fwAKAAAAHwAAAFQAAAD///8A////AQAAAAAAAAAAAAAAAAAAAAAAAAAAAAAAAAAAAAAAAAAAAAAAAH9/fwDu7OEDzMzMAMDA/wB/f38AAAAAAAAAAAAAAAAAAAAAAAAAAAAhAAAAGAAAABQAAADQSAAAGDkAABZOAACYOgAAEAAAACYAAAAIAAAAAAAAAAAAAAA="/>
               </a:ext>
             </a:extLst>
           </p:cNvSpPr>
@@ -7504,10 +7388,9 @@
             <a:pPr>
               <a:defRPr lang="de-de"/>
             </a:pPr>
-            <a:fld id="{5F3F4291-DFB2-6AB4-FC87-29E10CC90A7C}" type="slidenum">
+            <a:fld id="{24701EE2-ACC9-25E8-87C8-5ABD5086710F}" type="slidenum">
               <a:t>2</a:t>
             </a:fld>
-            <a:endParaRPr/>
           </a:p>
         </p:txBody>
       </p:sp>
@@ -7516,33 +7399,26 @@
   <p:clrMapOvr>
     <a:masterClrMapping/>
   </p:clrMapOvr>
-  <mc:AlternateContent xmlns:mc="http://schemas.openxmlformats.org/markup-compatibility/2006">
-    <mc:Choice xmlns:p14="http://schemas.microsoft.com/office/powerpoint/2010/main" Requires="p14">
-      <p:transition spd="slow" p14:dur="800">
-        <p:fade/>
-        <p:extLst>
-          <p:ext uri="smNativeData">
-            <pr:smNativeData xmlns:pr="smNativeData" xmlns="" val="ec9PYAAAAAAgAwAAAAAAAAYAAAAAAAAAAAAAAAAAAAAAAAAAAQAAAAAAAAAAAAAAAAAAAAAAAAAAAAAA"/>
-          </p:ext>
-        </p:extLst>
-      </p:transition>
-    </mc:Choice>
-    <mc:Fallback>
-      <p:transition spd="slow">
-        <p:fade/>
-        <p:extLst>
-          <p:ext uri="smNativeData">
-            <pr:smNativeData xmlns:pr="smNativeData" xmlns:p14="http://schemas.microsoft.com/office/powerpoint/2010/main" xmlns="" val="ec9PYAAAAAAgAwAAAAAAAAYAAAAAAAAAAAAAAAAAAAAAAAAAAQAAAAAAAAAAAAAAAAAAAAAAAAAAAAAA"/>
-          </p:ext>
-        </p:extLst>
-      </p:transition>
-    </mc:Fallback>
-  </mc:AlternateContent>
+  <p:transition spd="slow" p14:dur="1800">
+    <p:fade/>
+    <p:extLst>
+      <p:ext uri="smNativeData">
+        <pr:smNativeData xmlns:pr="smNativeData" val="eIVQYAAAAAAIBwAAAAAAAAYAAAAAAAAAAAAAAAAAAAAAAAAAAQAAAAAAAAAAAAAAAAAAAAAAAAAAAAAA"/>
+      </p:ext>
+    </p:extLst>
+  </p:transition>
+  <p:timing>
+    <p:tnLst>
+      <p:par>
+        <p:cTn id="1" dur="indefinite" restart="never" nodeType="tmRoot"/>
+      </p:par>
+    </p:tnLst>
+  </p:timing>
 </p:sld>
 </file>
 
 <file path=ppt/slides/slide3.xml><?xml version="1.0" encoding="utf-8"?>
-<p:sld xmlns:a="http://schemas.openxmlformats.org/drawingml/2006/main" xmlns:r="http://schemas.openxmlformats.org/officeDocument/2006/relationships" xmlns:p="http://schemas.openxmlformats.org/presentationml/2006/main">
+<p:sld xmlns:p="http://schemas.openxmlformats.org/presentationml/2006/main" xmlns:p14="http://schemas.microsoft.com/office/powerpoint/2010/main" xmlns:r="http://schemas.openxmlformats.org/officeDocument/2006/relationships" xmlns:a="http://schemas.openxmlformats.org/drawingml/2006/main">
   <p:cSld>
     <p:spTree>
       <p:nvGrpSpPr>
@@ -7560,15 +7436,14 @@
       </p:grpSpPr>
       <p:sp>
         <p:nvSpPr>
-          <p:cNvPr id="2" name="Title 1">
-            <a:extLst>
-              <a:ext uri="{FF2B5EF4-FFF2-40B4-BE49-F238E27FC236}">
-                <a16:creationId xmlns:a16="http://schemas.microsoft.com/office/drawing/2014/main" id="{1803AF3C-F92B-491E-A479-BF9B75ECDE0F}"/>
-              </a:ext>
-            </a:extLst>
-          </p:cNvPr>
-          <p:cNvSpPr>
-            <a:spLocks noGrp="1"/>
+          <p:cNvPr id="2" name="Title 1"/>
+          <p:cNvSpPr>
+            <a:spLocks noGrp="1" noChangeArrowheads="1"/>
+            <a:extLst>
+              <a:ext uri="smNativeData">
+                <pr:smNativeData xmlns:pr="smNativeData" val="SMDATA_13_eIVQYBMAAAAlAAAAZAAAAA0AAAAAAAAAAAAAAAAAAAAAAAAAAAAAAAAAAAAAAAAAAAEAAABQAAAAAAAAAAAA4D8AAAAAAADgPwAAAAAAAOA/AAAAAAAA4D8AAAAAAADgPwAAAAAAAOA/AAAAAAAA4D8AAAAAAADgPwAAAAAAAOA/AAAAAAAA4D8CAAAAjAAAAAAAAAAAAAAA////AP///wgAAAAAAAAAAAAAAAAAAAAAAAAAAAAAAAAAAAAAeAAAAAEAAABAAAAAAAAAAAAAAABaAAAAAAAAAAAAAAAAAAAAAAAAAAAAAAAAAAAAAAAAAAAAAAAAAAAAAAAAAAAAAAAAAAAAAAAAAAAAAAAAAAAAAAAAAAAAAAAAAAAAFAAAADwAAAAAAAAAAAAAAAAAAAAPAAAAAQAAACMAAAAjAAAAIwAAAB4AAAAAAAAAZAAAAGQAAAAAAAAAZAAAAGQAAAAVAAAAYAAAAAAAAAAAAAAADwAAACADAAAAAAAAAAAAAAEAAACgMgAAVgcAAKr4//8BAAAAf39/AAEAAABkAAAAAAAAABQAAABAHwAAAAAAACYAAAAAAAAAwOD//wAAAAAmAAAAZAAAABYAAABMAAAAAAAAAAAAAAAEAAAAAAAAAAEAAADu7OEKAAAAACgAAAAoAAAAZAAAAGQAAAAAAAAAzMzMAAAAAABQAAAAUAAAAGQAAABkAAAAAAAAABcAAAAUAAAAAAAAAAAAAAD/fwAA/38AAAAAAAAJAAAABAAAAAAAAQAMAAAAEAAAAAAAAAAAAAAAAAAAAAAAAAAeAAAAaAAAAAAAAAAAAAAAAAAAAAAAAAAAAAAAECcAABAnAAAAAAAAAAAAAAAAAAAAAAAAAAAAAAAAAAAAAAAAAAAAABQAAAAAAAAAwMD/AAAAAABkAAAAMgAAAAAAAABkAAAAAAAAAH9/fwAKAAAAHwAAAFQAAAD///8A////AQAAAAAAAAAAAAAAAAAAAAAAAAAAAAAAAAAAAAAAAAAAAAAAAH9/fwDu7OEDzMzMAMDA/wB/f38AAAAAAAAAAAAAAAAAAAAAAAAAAAAhAAAAGAAAABQAAADIBQAAiQsAAHpIAACzDwAAEAAAACYAAAAIAAAAAAAAAAAAAAA="/>
+              </a:ext>
+            </a:extLst>
           </p:cNvSpPr>
           <p:nvPr>
             <p:ph type="title"/>
@@ -7579,269 +7454,36 @@
           <a:bodyPr/>
           <a:lstStyle/>
           <a:p>
-            <a:r>
-              <a:rPr lang="en-US" dirty="0"/>
+            <a:pPr>
+              <a:defRPr lang="de-de"/>
+            </a:pPr>
+            <a:r>
+              <a:rPr lang="en-us"/>
               <a:t>Introduction</a:t>
             </a:r>
-            <a:endParaRPr lang="en-GB" dirty="0"/>
-          </a:p>
-        </p:txBody>
-      </p:sp>
-      <p:sp>
-        <p:nvSpPr>
-          <p:cNvPr id="3" name="Content Placeholder 2">
-            <a:extLst>
-              <a:ext uri="{FF2B5EF4-FFF2-40B4-BE49-F238E27FC236}">
-                <a16:creationId xmlns:a16="http://schemas.microsoft.com/office/drawing/2014/main" id="{5DAEC3AD-82B2-4E1D-96E9-658DA2B4D064}"/>
-              </a:ext>
-            </a:extLst>
-          </p:cNvPr>
-          <p:cNvSpPr>
-            <a:spLocks noGrp="1"/>
-          </p:cNvSpPr>
-          <p:nvPr>
-            <p:ph idx="1"/>
-          </p:nvPr>
-        </p:nvSpPr>
-        <p:spPr/>
-        <p:txBody>
-          <a:bodyPr/>
-          <a:lstStyle/>
-          <a:p>
-            <a:r>
-              <a:rPr lang="en-US" dirty="0"/>
-              <a:t>Privacy-paradox</a:t>
-            </a:r>
-          </a:p>
-          <a:p>
-            <a:r>
-              <a:rPr lang="en-US" dirty="0"/>
-              <a:t>Main goal of our work</a:t>
-            </a:r>
-          </a:p>
-          <a:p>
-            <a:r>
-              <a:rPr lang="en-US" dirty="0"/>
-              <a:t>Questions to be answered</a:t>
-            </a:r>
-          </a:p>
-          <a:p>
-            <a:r>
-              <a:rPr lang="en-US" dirty="0"/>
-              <a:t>Our solution – briefly:</a:t>
-            </a:r>
-          </a:p>
-          <a:p>
-            <a:pPr lvl="1"/>
-            <a:r>
-              <a:rPr lang="en-US" dirty="0"/>
-              <a:t>Feedback types</a:t>
-            </a:r>
-          </a:p>
-          <a:p>
-            <a:pPr lvl="2"/>
-            <a:r>
-              <a:rPr lang="en-US" dirty="0"/>
-              <a:t>Ring</a:t>
-            </a:r>
-          </a:p>
-          <a:p>
-            <a:pPr lvl="2"/>
-            <a:r>
-              <a:rPr lang="en-US" dirty="0"/>
-              <a:t>Icon</a:t>
-            </a:r>
-          </a:p>
-          <a:p>
-            <a:pPr lvl="2"/>
-            <a:r>
-              <a:rPr lang="en-US" dirty="0"/>
-              <a:t>Notification</a:t>
-            </a:r>
-            <a:endParaRPr lang="en-GB" dirty="0"/>
-          </a:p>
-        </p:txBody>
-      </p:sp>
-      <p:sp>
-        <p:nvSpPr>
-          <p:cNvPr id="4" name="Date Placeholder 3">
-            <a:extLst>
-              <a:ext uri="{FF2B5EF4-FFF2-40B4-BE49-F238E27FC236}">
-                <a16:creationId xmlns:a16="http://schemas.microsoft.com/office/drawing/2014/main" id="{4D71D8FE-41D9-4C13-8883-B0C789080BC9}"/>
-              </a:ext>
-            </a:extLst>
-          </p:cNvPr>
-          <p:cNvSpPr>
-            <a:spLocks noGrp="1"/>
-          </p:cNvSpPr>
-          <p:nvPr>
-            <p:ph type="dt" sz="half" idx="2"/>
-          </p:nvPr>
-        </p:nvSpPr>
-        <p:spPr/>
-        <p:txBody>
-          <a:bodyPr/>
-          <a:lstStyle/>
-          <a:p>
-            <a:pPr>
-              <a:defRPr lang="de-de"/>
-            </a:pPr>
-            <a:r>
-              <a:rPr lang="en-us"/>
-              <a:t>25.03.2021</a:t>
-            </a:r>
-          </a:p>
-        </p:txBody>
-      </p:sp>
-      <p:sp>
-        <p:nvSpPr>
-          <p:cNvPr id="5" name="Slide Number Placeholder 4">
-            <a:extLst>
-              <a:ext uri="{FF2B5EF4-FFF2-40B4-BE49-F238E27FC236}">
-                <a16:creationId xmlns:a16="http://schemas.microsoft.com/office/drawing/2014/main" id="{8DC7A667-AEA9-48B1-BADD-210B0AAA3836}"/>
-              </a:ext>
-            </a:extLst>
-          </p:cNvPr>
-          <p:cNvSpPr>
-            <a:spLocks noGrp="1"/>
-          </p:cNvSpPr>
-          <p:nvPr>
-            <p:ph type="sldNum" sz="quarter" idx="4"/>
-          </p:nvPr>
-        </p:nvSpPr>
-        <p:spPr/>
-        <p:txBody>
-          <a:bodyPr/>
-          <a:lstStyle/>
-          <a:p>
-            <a:pPr>
-              <a:defRPr lang="de-de"/>
-            </a:pPr>
-            <a:fld id="{21A75586-C8CC-F2A3-821F-3EF61B51746B}" type="slidenum">
-              <a:rPr lang="en-GB" smtClean="0"/>
-              <a:t>3</a:t>
-            </a:fld>
-            <a:endParaRPr lang="en-GB"/>
-          </a:p>
-        </p:txBody>
-      </p:sp>
-      <p:sp>
-        <p:nvSpPr>
-          <p:cNvPr id="6" name="Content Placeholder 5">
-            <a:extLst>
-              <a:ext uri="{FF2B5EF4-FFF2-40B4-BE49-F238E27FC236}">
-                <a16:creationId xmlns:a16="http://schemas.microsoft.com/office/drawing/2014/main" id="{050B2A63-C707-4E57-9611-9FDE36F21725}"/>
-              </a:ext>
-            </a:extLst>
-          </p:cNvPr>
-          <p:cNvSpPr>
-            <a:spLocks noGrp="1"/>
-          </p:cNvSpPr>
-          <p:nvPr>
-            <p:ph idx="10"/>
-          </p:nvPr>
-        </p:nvSpPr>
-        <p:spPr/>
-        <p:txBody>
-          <a:bodyPr/>
-          <a:lstStyle/>
-          <a:p>
-            <a:endParaRPr lang="en-GB"/>
-          </a:p>
-        </p:txBody>
-      </p:sp>
-    </p:spTree>
-    <p:extLst>
-      <p:ext uri="{BB962C8B-B14F-4D97-AF65-F5344CB8AC3E}">
-        <p14:creationId xmlns:p14="http://schemas.microsoft.com/office/powerpoint/2010/main" val="1161292430"/>
-      </p:ext>
-    </p:extLst>
-  </p:cSld>
-  <p:clrMapOvr>
-    <a:masterClrMapping/>
-  </p:clrMapOvr>
-</p:sld>
-</file>
-
-<file path=ppt/slides/slide4.xml><?xml version="1.0" encoding="utf-8"?>
-<p:sld xmlns:a="http://schemas.openxmlformats.org/drawingml/2006/main" xmlns:r="http://schemas.openxmlformats.org/officeDocument/2006/relationships" xmlns:p="http://schemas.openxmlformats.org/presentationml/2006/main">
-  <p:cSld>
-    <p:spTree>
-      <p:nvGrpSpPr>
-        <p:cNvPr id="1" name=""/>
-        <p:cNvGrpSpPr/>
-        <p:nvPr/>
-      </p:nvGrpSpPr>
-      <p:grpSpPr>
-        <a:xfrm>
-          <a:off x="0" y="0"/>
-          <a:ext cx="0" cy="0"/>
-          <a:chOff x="0" y="0"/>
-          <a:chExt cx="0" cy="0"/>
-        </a:xfrm>
-      </p:grpSpPr>
-      <p:sp>
-        <p:nvSpPr>
-          <p:cNvPr id="2" name="Titre 1"/>
-          <p:cNvSpPr>
-            <a:spLocks noGrp="1" noChangeArrowheads="1"/>
-            <a:extLst>
-              <a:ext uri="smNativeData">
-                <pr:smNativeData xmlns="" xmlns:p14="http://schemas.microsoft.com/office/powerpoint/2010/main" xmlns:pr="smNativeData" val="SMDATA_13_ec9PYBMAAAAlAAAAZAAAAE0AAAAAAAAAAAAAAAAAAAAAAAAAAAAAAAAAAAAAAAAAAAEAAABQAAAAAAAAAAAA4D8AAAAAAADgPwAAAAAAAOA/AAAAAAAA4D8AAAAAAADgPwAAAAAAAOA/AAAAAAAA4D8AAAAAAADgPwAAAAAAAOA/AAAAAAAA4D8CAAAAjAAAAAAAAAAAAAAAT4G9DP///wgAAAAAAAAAAAAAAAAAAAAAAAAAAAAAAAAAAAAAZAAAAAEAAABAAAAAAAAAAAAAAAAAAAAAAAAAAAAAAAAAAAAAAAAAAAAAAAAAAAAAAAAAAAAAAAAAAAAAAAAAAAAAAAAAAAAAAAAAAAAAAAAAAAAAAAAAAAAAAAAAAAAAFAAAADwAAAAAAAAAAAAAAAAAAAkUAAAAAQAAABQAAAAUAAAAFAAAAAEAAAAAAAAAZAAAAGQAAAAAAAAAZAAAAGQAAAAVAAAAYAAAAAAAAAAAAAAADwAAACADAAAAAAAAAAAAAAEAAACgMgAAVgcAAKr4//8BAAAAf39/AAEAAABkAAAAAAAAABQAAABAHwAAAAAAACYAAAAAAAAAwOD//wAAAAAmAAAAZAAAABYAAABMAAAAAAAAAAAAAAAEAAAAAAAAAAEAAADu7OEKAAAAACgAAAAoAAAAZAAAAGQAAAAAAAAAzMzMAAAAAABQAAAAUAAAAGQAAABkAAAAAAAAABcAAAAUAAAAAAAAAAAAAAD/fwAA/38AAAAAAAAJAAAABAAAAAAAAAAMAAAAEAAAAAAAAAAAAAAAAAAAAAAAAAAeAAAAaAAAAAAAAAAAAAAAAAAAAAAAAAAAAAAAECcAABAnAAAAAAAAAAAAAAAAAAAAAAAAAAAAAAAAAAAAAAAAAAAAABQAAAAAAAAAwMD/AAAAAABkAAAAMgAAAAAAAABkAAAAAAAAAH9/fwAKAAAAHwAAAFQAAABPgb0F////AQAAAAAAAAAAAAAAAAAAAAAAAAAAAAAAAAAAAAAAAAAAAAAAAn9/fwDu7OEDzMzMAMDA/wB/f38AAAAAAAAAAAAAAAAAAAAAAAAAAAAhAAAAGAAAABQAAADIBQAAiQsAAHpIAACpDwAAACAAACYAAAAIAAAAAQAAAAAAAAA="/>
-              </a:ext>
-            </a:extLst>
-          </p:cNvSpPr>
-          <p:nvPr>
-            <p:ph type="title"/>
+            <a:endParaRPr lang="en-gb"/>
+          </a:p>
+        </p:txBody>
+      </p:sp>
+      <p:sp>
+        <p:nvSpPr>
+          <p:cNvPr id="3" name="Content Placeholder 2"/>
+          <p:cNvSpPr>
+            <a:spLocks noGrp="1" noChangeArrowheads="1"/>
+            <a:extLst>
+              <a:ext uri="smNativeData">
+                <pr:smNativeData xmlns:pr="smNativeData" val="SMDATA_13_eIVQYBMAAAAlAAAAZAAAAA0AAAAAAAAAAAAAAAAAAAAAAAAAAAAAAAAAAAAAAAAAAAEAAABQAAAAAAAAAAAA4D8AAAAAAADgPwAAAAAAAOA/AAAAAAAA4D8AAAAAAADgPwAAAAAAAOA/AAAAAAAA4D8AAAAAAADgPwAAAAAAAOA/AAAAAAAA4D8CAAAAjAAAAAAAAAAAAAAA////AP///wgAAAAAAAAAAAAAAAAAAAAAAAAAAAAAAAAAAAAAeAAAAAEAAABAAAAAAAAAAAAAAABaAAAAAAAAAAAAAAAAAAAAAAAAAAAAAAAAAAAAAAAAAAAAAAAAAAAAAAAAAAAAAAAAAAAAAAAAAAAAAAAAAAAAAAAAAAAAAAAAAAAAFAAAADwAAAAAAAAAAAAAAAAAAAAPAAAAAQAAACMAAAAjAAAAIwAAAB4AAAAAAAAAZAAAAGQAAAAAAAAAZAAAAGQAAAAVAAAAYAAAAAAAAAAAAAAADwAAACADAAAAAAAAAAAAAAEAAACgMgAAVgcAAKr4//8BAAAAf39/AAEAAABkAAAAAAAAABQAAABAHwAAAAAAACYAAAAAAAAAwOD//wAAAAAmAAAAZAAAABYAAABMAAAAAAAAAAAAAAAEAAAAAAAAAAEAAADu7OEKAAAAACgAAAAoAAAAZAAAAGQAAAAAAAAAzMzMAAAAAABQAAAAUAAAAGQAAABkAAAAAAAAABcAAAAUAAAAAAAAAAAAAAD/fwAA/38AAAAAAAAJAAAABAAAAAAAAAAMAAAAEAAAAAAAAAAAAAAAAAAAAAAAAAAeAAAAaAAAAAAAAAAAAAAAAAAAAAAAAAAAAAAAECcAABAnAAAAAAAAAAAAAAAAAAAAAAAAAAAAAAAAAAAAAAAAAAAAABQAAAAAAAAAwMD/AAAAAABkAAAAMgAAAAAAAABkAAAAAAAAAH9/fwAKAAAAHwAAAFQAAAD///8A////AQAAAAAAAAAAAAAAAAAAAAAAAAAAAAAAAAAAAAAAAAAAAAAAAH9/fwDu7OEDzMzMAMDA/wB/f38AAAAAAAAAAAAAAAAAAAAAAAAAAAAhAAAAGAAAABQAAADIBQAAwBIAAHpIAAD/MAAAEAAAACYAAAAIAAAAAYAAAAAAAAA="/>
+              </a:ext>
+            </a:extLst>
+          </p:cNvSpPr>
+          <p:nvPr>
+            <p:ph type="body" idx="1"/>
           </p:nvPr>
         </p:nvSpPr>
         <p:spPr>
           <a:xfrm>
-            <a:off x="939800" y="1875155"/>
-            <a:ext cx="10841990" cy="670560"/>
-          </a:xfrm>
-        </p:spPr>
-        <p:txBody>
-          <a:bodyPr/>
-          <a:lstStyle/>
-          <a:p>
-            <a:pPr>
-              <a:defRPr lang="en-gb"/>
-            </a:pPr>
-            <a:r>
-              <a:rPr dirty="0"/>
-              <a:t>Foundations </a:t>
-            </a:r>
-            <a:r>
-              <a:rPr lang="en-GB" dirty="0"/>
-              <a:t>–</a:t>
-            </a:r>
-            <a:r>
-              <a:rPr dirty="0"/>
-              <a:t> Smartwatches</a:t>
-            </a:r>
-          </a:p>
-        </p:txBody>
-      </p:sp>
-      <p:sp>
-        <p:nvSpPr>
-          <p:cNvPr id="3" name="Espace réservé du texte 2"/>
-          <p:cNvSpPr>
-            <a:spLocks noGrp="1" noChangeArrowheads="1"/>
-            <a:extLst>
-              <a:ext uri="smNativeData">
-                <pr:smNativeData xmlns="" xmlns:p14="http://schemas.microsoft.com/office/powerpoint/2010/main" xmlns:pr="smNativeData" val="SMDATA_13_ec9PYBMAAAAlAAAAZAAAAE0AAAAAAAAAAAAAAAAAAAAAAAAAAAAAAAAAAAAAAAAAAAEAAABQAAAAAAAAAAAA4D8AAAAAAADgPwAAAAAAAOA/AAAAAAAA4D8AAAAAAADgPwAAAAAAAOA/AAAAAAAA4D8AAAAAAADgPwAAAAAAAOA/AAAAAAAA4D8CAAAAjAAAAAAAAAAAAAAAT4G9DP///wgAAAAAAAAAAAAAAAAAAAAAAAAAAAAAAAAAAAAAZAAAAAEAAABAAAAAAAAAAAAAAAAAAAAAAAAAAAAAAAAAAAAAAAAAAAAAAAAAAAAAAAAAAAAAAAAAAAAAAAAAAAAAAAAAAAAAAAAAAAAAAAAAAAAAAAAAAAAAAAAAAAAAFAAAADwAAAAAAAAAAAAAAAAAAAkUAAAAAQAAABQAAAAUAAAAFAAAAAEAAAAAAAAAZAAAAGQAAAAAAAAAZAAAAGQAAAAVAAAAYAAAAAAAAAAAAAAADwAAACADAAAAAAAAAAAAAAEAAACgMgAAVgcAAKr4//8BAAAAf39/AAEAAABkAAAAAAAAABQAAABAHwAAAAAAACYAAAAAAAAAwOD//wAAAAAmAAAAZAAAABYAAABMAAAAAAAAAAAAAAAEAAAAAAAAAAEAAADu7OEKAAAAACgAAAAoAAAAZAAAAGQAAAAAAAAAzMzMAAAAAABQAAAAUAAAAGQAAABkAAAAAAAAABcAAAAUAAAAAAAAAAAAAAD/fwAA/38AAAAAAAAJAAAABAAAAAAAAAAMAAAAEAAAAAAAAAAAAAAAAAAAAAAAAAAeAAAAaAAAAAAAAAAAAAAAAAAAAAAAAAAAAAAAECcAABAnAAAAAAAAAAAAAAAAAAAAAAAAAAAAAAAAAAAAAAAAAAAAABQAAAAAAAAAwMD/AAAAAABkAAAAMgAAAAAAAABkAAAAAAAAAH9/fwAKAAAAHwAAAFQAAABPgb0F////AQAAAAAAAAAAAAAAAAAAAAAAAAAAAAAAAAAAAAAAAAAAAAAAAn9/fwDu7OEDzMzMAMDA/wB/f38AAAAAAAAAAAAAAAAAAAAAAAAAAAAhAAAAGAAAABQAAADIBQAAwBIAAHpIAACQGwAAACAAACYAAAAIAAAAAYAAAAAAAAA="/>
-              </a:ext>
-            </a:extLst>
-          </p:cNvSpPr>
-          <p:nvPr>
-            <p:ph type="body" idx="1"/>
-          </p:nvPr>
-        </p:nvSpPr>
-        <p:spPr>
-          <a:xfrm>
-            <a:off x="939800" y="2545715"/>
-            <a:ext cx="10841990" cy="1432560"/>
+            <a:off x="939800" y="3048000"/>
+            <a:ext cx="10841990" cy="4916805"/>
           </a:xfrm>
         </p:spPr>
         <p:txBody>
@@ -7858,7 +7500,7 @@
                 <a:schemeClr val="accent1"/>
               </a:buClr>
               <a:buSzPts val="2910"/>
-              <a:buFont typeface="Wingdings" charset="0"/>
+              <a:buFont typeface="Wingdings" pitchFamily="0" charset="0"/>
               <a:buChar char="§"/>
               <a:tabLst/>
               <a:defRPr lang="de-de" sz="2800" b="0" i="0" baseline="0">
@@ -7889,7 +7531,7 @@
               <a:lnSpc>
                 <a:spcPct val="150000"/>
               </a:lnSpc>
-              <a:buFont typeface="Wingdings" charset="0"/>
+              <a:buFont typeface="Wingdings" pitchFamily="0" charset="0"/>
               <a:buChar char="§"/>
               <a:defRPr lang="de-de" sz="2000" b="0" i="0" baseline="0">
                 <a:solidFill>
@@ -7921,107 +7563,94 @@
           </a:lstStyle>
           <a:p>
             <a:pPr>
-              <a:defRPr lang="de-de" b="0"/>
-            </a:pPr>
-            <a:r>
-              <a:rPr lang="en-US" dirty="0"/>
-              <a:t>What is a smartwatch ?</a:t>
-            </a:r>
-          </a:p>
-          <a:p>
-            <a:pPr>
-              <a:defRPr lang="de-de" b="0"/>
-            </a:pPr>
-            <a:r>
-              <a:rPr lang="en-US" dirty="0"/>
-              <a:t>Features</a:t>
-            </a:r>
+              <a:defRPr lang="de-de"/>
+            </a:pPr>
+            <a:r>
+              <a:rPr lang="en-us"/>
+              <a:t>Privacy-paradox</a:t>
+            </a:r>
+            <a:endParaRPr lang="en-us"/>
+          </a:p>
+          <a:p>
+            <a:pPr>
+              <a:defRPr lang="de-de"/>
+            </a:pPr>
+            <a:r>
+              <a:rPr lang="en-us"/>
+              <a:t>Main goal of our work</a:t>
+            </a:r>
+            <a:endParaRPr lang="en-us"/>
+          </a:p>
+          <a:p>
+            <a:pPr>
+              <a:defRPr lang="de-de"/>
+            </a:pPr>
+            <a:r>
+              <a:rPr lang="en-us"/>
+              <a:t>Questions to be answered</a:t>
+            </a:r>
+            <a:endParaRPr lang="en-us"/>
+          </a:p>
+          <a:p>
+            <a:pPr>
+              <a:defRPr lang="de-de"/>
+            </a:pPr>
+            <a:r>
+              <a:rPr lang="en-us"/>
+              <a:t>Our solution – briefly:</a:t>
+            </a:r>
+            <a:endParaRPr lang="en-us"/>
           </a:p>
           <a:p>
             <a:pPr lvl="1">
-              <a:defRPr lang="de-de" b="0"/>
-            </a:pPr>
-            <a:r>
-              <a:rPr lang="en-US" dirty="0"/>
-              <a:t>Have </a:t>
-            </a:r>
-            <a:r>
-              <a:rPr lang="en-US" dirty="0" err="1"/>
-              <a:t>WiFi</a:t>
-            </a:r>
-            <a:r>
-              <a:rPr lang="en-US" dirty="0"/>
-              <a:t>/Bluetooth connectivity</a:t>
-            </a:r>
-          </a:p>
-          <a:p>
-            <a:pPr lvl="1">
-              <a:defRPr lang="de-de" b="0"/>
-            </a:pPr>
-            <a:r>
-              <a:rPr lang="en-US" dirty="0"/>
-              <a:t>Support mobile applications</a:t>
-            </a:r>
-          </a:p>
-          <a:p>
-            <a:pPr lvl="1">
-              <a:defRPr lang="de-de" b="0"/>
-            </a:pPr>
-            <a:r>
-              <a:rPr lang="en-US" dirty="0"/>
-              <a:t>Have their own operating system</a:t>
-            </a:r>
-          </a:p>
-          <a:p>
-            <a:pPr lvl="1">
-              <a:defRPr lang="de-de" b="0"/>
-            </a:pPr>
-            <a:r>
-              <a:rPr lang="en-US" dirty="0"/>
-              <a:t>Peripheral devices (sensors)</a:t>
-            </a:r>
-          </a:p>
-          <a:p>
-            <a:pPr>
-              <a:defRPr lang="de-de" b="0"/>
-            </a:pPr>
-            <a:r>
-              <a:rPr dirty="0"/>
-              <a:t>A</a:t>
-            </a:r>
-          </a:p>
-          <a:p>
-            <a:pPr>
-              <a:defRPr lang="de-de" b="0"/>
-            </a:pPr>
-            <a:r>
-              <a:rPr lang="de-DE" dirty="0"/>
-              <a:t>B</a:t>
-            </a:r>
-            <a:endParaRPr dirty="0"/>
-          </a:p>
-          <a:p>
-            <a:pPr lvl="1">
-              <a:defRPr lang="de-de" b="0"/>
-            </a:pPr>
-            <a:endParaRPr dirty="0"/>
-          </a:p>
-          <a:p>
-            <a:pPr>
-              <a:defRPr lang="de-de"/>
-            </a:pPr>
-            <a:endParaRPr lang="en-gb" dirty="0"/>
-          </a:p>
-        </p:txBody>
-      </p:sp>
-      <p:sp>
-        <p:nvSpPr>
-          <p:cNvPr id="4" name="Espace réservé de la date 4"/>
-          <p:cNvSpPr>
-            <a:spLocks noGrp="1" noChangeArrowheads="1"/>
-            <a:extLst>
-              <a:ext uri="smNativeData">
-                <pr:smNativeData xmlns="" xmlns:p14="http://schemas.microsoft.com/office/powerpoint/2010/main" xmlns:pr="smNativeData" val="SMDATA_13_ec9PYBMAAAAlAAAAZAAAAA0AAAAAAAAAAAAAAAAAAAAAAAAAAAAAAAAAAAAAAAAAAAEAAABQAAAAAAAAAAAA4D8AAAAAAADgPwAAAAAAAOA/AAAAAAAA4D8AAAAAAADgPwAAAAAAAOA/AAAAAAAA4D8AAAAAAADgPwAAAAAAAOA/AAAAAAAA4D8CAAAAjAAAAAAAAAAAAAAAT4G9DP///wgAAAAAAAAAAAAAAAAAAAAAAAAAAAAAAAAAAAAAZAAAAAEAAABAAAAAAAAAAAAAAAAAAAAAAAAAAAAAAAAAAAAAAAAAAAAAAAAAAAAAAAAAAAAAAAAAAAAAAAAAAAAAAAAAAAAAAAAAAAAAAAAAAAAAAAAAAAAAAAAAAAAAFAAAADwAAAAAAAAAAAAAAAAAAAkUAAAAAQAAABQAAAAUAAAAFAAAAAEAAAAAAAAAZAAAAGQAAAAAAAAAZAAAAGQAAAAVAAAAYAAAAAAAAAAAAAAADwAAACADAAAAAAAAAAAAAAEAAACgMgAAVgcAAKr4//8BAAAAf39/AAEAAABkAAAAAAAAABQAAABAHwAAAAAAACYAAAAAAAAAwOD//wAAAAAmAAAAZAAAABYAAABMAAAAAAAAAAAAAAAEAAAAAAAAAAEAAADu7OEKAAAAACgAAAAoAAAAZAAAAGQAAAAAAAAAzMzMAAAAAABQAAAAUAAAAGQAAABkAAAAAAAAABcAAAAUAAAAAAAAAAAAAAD/fwAA/38AAAAAAAAJAAAABAAAAAAAAAAMAAAAEAAAAAAAAAAAAAAAAAAAAAAAAAAeAAAAaAAAAAAAAAAAAAAAAAAAAAAAAAAAAAAAECcAABAnAAAAAAAAAAAAAAAAAAAAAAAAAAAAAAAAAAAAAAAAAAAAABQAAAAAAAAAwMD/AAAAAABkAAAAMgAAAAAAAABkAAAAAAAAAH9/fwAKAAAAHwAAAFQAAABPgb0F////AQAAAAAAAAAAAAAAAAAAAAAAAAAAAAAAAAAAAAAAAAAAAAAAAn9/fwDu7OEDzMzMAMDA/wB/f38AAAAAAAAAAAAAAAAAAAAAAAAAAAAhAAAAGAAAABQAAADqAQAA4DgAAPAKAACYOgAAEAAAACYAAAAIAAAAAQAAAAAAAAA="/>
+              <a:defRPr lang="de-de"/>
+            </a:pPr>
+            <a:r>
+              <a:rPr lang="en-us"/>
+              <a:t>Feedback types</a:t>
+            </a:r>
+            <a:endParaRPr lang="en-us"/>
+          </a:p>
+          <a:p>
+            <a:pPr lvl="2">
+              <a:defRPr lang="de-de"/>
+            </a:pPr>
+            <a:r>
+              <a:rPr lang="en-us"/>
+              <a:t>Ring</a:t>
+            </a:r>
+            <a:endParaRPr lang="en-us"/>
+          </a:p>
+          <a:p>
+            <a:pPr lvl="2">
+              <a:defRPr lang="de-de"/>
+            </a:pPr>
+            <a:r>
+              <a:rPr lang="en-us"/>
+              <a:t>Icon</a:t>
+            </a:r>
+            <a:endParaRPr lang="en-us"/>
+          </a:p>
+          <a:p>
+            <a:pPr lvl="2">
+              <a:defRPr lang="de-de"/>
+            </a:pPr>
+            <a:r>
+              <a:rPr lang="en-us"/>
+              <a:t>Notification</a:t>
+            </a:r>
+            <a:endParaRPr lang="en-gb"/>
+          </a:p>
+        </p:txBody>
+      </p:sp>
+      <p:sp>
+        <p:nvSpPr>
+          <p:cNvPr id="4" name="Date Placeholder 3"/>
+          <p:cNvSpPr>
+            <a:spLocks noGrp="1" noChangeArrowheads="1"/>
+            <a:extLst>
+              <a:ext uri="smNativeData">
+                <pr:smNativeData xmlns:pr="smNativeData" val="SMDATA_13_eIVQYBMAAAAlAAAAZAAAAA0AAAAAAAAAAAAAAAAAAAAAAAAAAAAAAAAAAAAAAAAAAAEAAABQAAAAAAAAAAAA4D8AAAAAAADgPwAAAAAAAOA/AAAAAAAA4D8AAAAAAADgPwAAAAAAAOA/AAAAAAAA4D8AAAAAAADgPwAAAAAAAOA/AAAAAAAA4D8CAAAAjAAAAAAAAAAAAAAA////AP///wgAAAAAAAAAAAAAAAAAAAAAAAAAAAAAAAAAAAAAeAAAAAEAAABAAAAAAAAAAAAAAABaAAAAAAAAAAAAAAAAAAAAAAAAAAAAAAAAAAAAAAAAAAAAAAAAAAAAAAAAAAAAAAAAAAAAAAAAAAAAAAAAAAAAAAAAAAAAAAAAAAAAFAAAADwAAAAAAAAAAAAAAAAAAAAPAAAAAQAAACMAAAAjAAAAIwAAAB4AAAAAAAAAZAAAAGQAAAAAAAAAZAAAAGQAAAAVAAAAYAAAAAAAAAAAAAAADwAAACADAAAAAAAAAAAAAAEAAACgMgAAVgcAAKr4//8BAAAAf39/AAEAAABkAAAAAAAAABQAAABAHwAAAAAAACYAAAAAAAAAwOD//wAAAAAmAAAAZAAAABYAAABMAAAAAAAAAAAAAAAEAAAAAAAAAAEAAADu7OEKAAAAACgAAAAoAAAAZAAAAGQAAAAAAAAAzMzMAAAAAABQAAAAUAAAAGQAAABkAAAAAAAAABcAAAAUAAAAAAAAAAAAAAD/fwAA/38AAAAAAAAJAAAABAAAACEcAAAMAAAAEAAAAAAAAAAAAAAAAAAAAAAAAAAeAAAAaAAAAAAAAAAAAAAAAAAAAAAAAAAAAAAAECcAABAnAAAAAAAAAAAAAAAAAAAAAAAAAAAAAAAAAAAAAAAAAAAAABQAAAAAAAAAwMD/AAAAAABkAAAAMgAAAAAAAABkAAAAAAAAAH9/fwAKAAAAHwAAAFQAAAD///8A////AQAAAAAAAAAAAAAAAAAAAAAAAAAAAAAAAAAAAAAAAAAAAAAAAH9/fwDu7OEDzMzMAMDA/wB/f38AAAAAAAAAAAAAAAAAAAAAAAAAAAAhAAAAGAAAABQAAADqAQAA4DgAAPAKAACYOgAAEAAAACYAAAAIAAAAAAAAAAAAAAA="/>
               </a:ext>
             </a:extLst>
           </p:cNvSpPr>
@@ -8029,12 +7658,7 @@
             <p:ph type="dt" sz="half" idx="2"/>
           </p:nvPr>
         </p:nvSpPr>
-        <p:spPr>
-          <a:xfrm>
-            <a:off x="311150" y="9245600"/>
-            <a:ext cx="1466850" cy="279400"/>
-          </a:xfrm>
-        </p:spPr>
+        <p:spPr/>
         <p:txBody>
           <a:bodyPr/>
           <a:lstStyle/>
@@ -8043,19 +7667,21 @@
               <a:defRPr lang="de-de"/>
             </a:pPr>
             <a:r>
-              <a:t>26.03.2021</a:t>
-            </a:r>
-          </a:p>
-        </p:txBody>
-      </p:sp>
-      <p:sp>
-        <p:nvSpPr>
-          <p:cNvPr id="5" name="Espace réservé du numéro de diapositive 5"/>
-          <p:cNvSpPr>
-            <a:spLocks noGrp="1" noChangeArrowheads="1"/>
-            <a:extLst>
-              <a:ext uri="smNativeData">
-                <pr:smNativeData xmlns="" xmlns:p14="http://schemas.microsoft.com/office/powerpoint/2010/main" xmlns:pr="smNativeData" val="SMDATA_13_ec9PYBMAAAAlAAAAZAAAAA0AAAAAAAAAAAAAAAAAAAAAAAAAAAAAAAAAAAAAAAAAAAEAAABQAAAAAAAAAAAA4D8AAAAAAADgPwAAAAAAAOA/AAAAAAAA4D8AAAAAAADgPwAAAAAAAOA/AAAAAAAA4D8AAAAAAADgPwAAAAAAAOA/AAAAAAAA4D8CAAAAjAAAAAAAAAAAAAAAT4G9DP///wgAAAAAAAAAAAAAAAAAAAAAAAAAAAAAAAAAAAAAZAAAAAEAAABAAAAAAAAAAAAAAAAAAAAAAAAAAAAAAAAAAAAAAAAAAAAAAAAAAAAAAAAAAAAAAAAAAAAAAAAAAAAAAAAAAAAAAAAAAAAAAAAAAAAAAAAAAAAAAAAAAAAAFAAAADwAAAAAAAAAAAAAAAAAAAkUAAAAAQAAABQAAAAUAAAAFAAAAAEAAAAAAAAAZAAAAGQAAAAAAAAAZAAAAGQAAAAVAAAAYAAAAAAAAAAAAAAADwAAACADAAAAAAAAAAAAAAEAAACgMgAAVgcAAKr4//8BAAAAf39/AAEAAABkAAAAAAAAABQAAABAHwAAAAAAACYAAAAAAAAAwOD//wAAAAAmAAAAZAAAABYAAABMAAAAAAAAAAAAAAAEAAAAAAAAAAEAAADu7OEKAAAAACgAAAAoAAAAZAAAAGQAAAAAAAAAzMzMAAAAAABQAAAAUAAAAGQAAABkAAAAAAAAABcAAAAUAAAAAAAAAAAAAAD/fwAA/38AAAAAAAAJAAAABAAAAAAAAAAMAAAAEAAAAAAAAAAAAAAAAAAAAAAAAAAeAAAAaAAAAAAAAAAAAAAAAAAAAAAAAAAAAAAAECcAABAnAAAAAAAAAAAAAAAAAAAAAAAAAAAAAAAAAAAAAAAAAAAAABQAAAAAAAAAwMD/AAAAAABkAAAAMgAAAAAAAABkAAAAAAAAAH9/fwAKAAAAHwAAAFQAAABPgb0F////AQAAAAAAAAAAAAAAAAAAAAAAAAAAAAAAAAAAAAAAAAAAAAAAAn9/fwDu7OEDzMzMAMDA/wB/f38AAAAAAAAAAAAAAAAAAAAAAAAAAAAhAAAAGAAAABQAAADQSAAAGDkAABZOAACYOgAAEAAAACYAAAAIAAAAAAAAAAAAAAA="/>
+              <a:rPr lang="en-us"/>
+              <a:t>25.03.2021</a:t>
+            </a:r>
+            <a:endParaRPr lang="en-us"/>
+          </a:p>
+        </p:txBody>
+      </p:sp>
+      <p:sp>
+        <p:nvSpPr>
+          <p:cNvPr id="5" name="Slide Number Placeholder 4"/>
+          <p:cNvSpPr>
+            <a:spLocks noGrp="1" noChangeArrowheads="1"/>
+            <a:extLst>
+              <a:ext uri="smNativeData">
+                <pr:smNativeData xmlns:pr="smNativeData" val="SMDATA_13_eIVQYBMAAAAlAAAAZAAAAA0AAAAAAAAAAAAAAAAAAAAAAAAAAAAAAAAAAAAAAAAAAAEAAABQAAAAAAAAAAAA4D8AAAAAAADgPwAAAAAAAOA/AAAAAAAA4D8AAAAAAADgPwAAAAAAAOA/AAAAAAAA4D8AAAAAAADgPwAAAAAAAOA/AAAAAAAA4D8CAAAAjAAAAAAAAAAAAAAA////AP///wgAAAAAAAAAAAAAAAAAAAAAAAAAAAAAAAAAAAAAeAAAAAEAAABAAAAAAAAAAAAAAABaAAAAAAAAAAAAAAAAAAAAAAAAAAAAAAAAAAAAAAAAAAAAAAAAAAAAAAAAAAAAAAAAAAAAAAAAAAAAAAAAAAAAAAAAAAAAAAAAAAAAFAAAADwAAAAAAAAAAAAAAAAAAAAPAAAAAQAAACMAAAAjAAAAIwAAAB4AAAAAAAAAZAAAAGQAAAAAAAAAZAAAAGQAAAAVAAAAYAAAAAAAAAAAAAAADwAAACADAAAAAAAAAAAAAAEAAACgMgAAVgcAAKr4//8BAAAAf39/AAEAAABkAAAAAAAAABQAAABAHwAAAAAAACYAAAAAAAAAwOD//wAAAAAmAAAAZAAAABYAAABMAAAAAAAAAAAAAAAEAAAAAAAAAAEAAADu7OEKAAAAACgAAAAoAAAAZAAAAGQAAAAAAAAAzMzMAAAAAABQAAAAUAAAAGQAAABkAAAAAAAAABcAAAAUAAAAAAAAAAAAAAD/fwAA/38AAAAAAAAJAAAABAAAAAAAAAAMAAAAEAAAAAAAAAAAAAAAAAAAAAAAAAAeAAAAaAAAAAAAAAAAAAAAAAAAAAAAAAAAAAAAECcAABAnAAAAAAAAAAAAAAAAAAAAAAAAAAAAAAAAAAAAAAAAAAAAABQAAAAAAAAAwMD/AAAAAABkAAAAMgAAAAAAAABkAAAAAAAAAH9/fwAKAAAAHwAAAFQAAAD///8A////AQAAAAAAAAAAAAAAAAAAAAAAAAAAAAAAAAAAAAAAAAAAAAAAAH9/fwDu7OEDzMzMAMDA/wB/f38AAAAAAAAAAAAAAAAAAAAAAAAAAAAhAAAAGAAAABQAAADQSAAAGDkAABZOAACYOgAAEAAAACYAAAAIAAAAAAAAAAAAAAA="/>
               </a:ext>
             </a:extLst>
           </p:cNvSpPr>
@@ -8071,28 +7697,57 @@
             <a:pPr>
               <a:defRPr lang="de-de"/>
             </a:pPr>
-            <a:fld id="{5E2C5BB6-F8B3-79AD-FD94-0EF815DA0B5B}" type="slidenum">
-              <a:t>4</a:t>
+            <a:fld id="{09EA7373-3DE4-BF85-AA52-CBD03D1C5C9E}" type="slidenum">
+              <a:rPr lang="en-gb"/>
+              <a:t>3</a:t>
             </a:fld>
-            <a:endParaRPr/>
+            <a:endParaRPr lang="en-gb"/>
+          </a:p>
+        </p:txBody>
+      </p:sp>
+      <p:sp>
+        <p:nvSpPr>
+          <p:cNvPr id="6" name="Content Placeholder 5"/>
+          <p:cNvSpPr>
+            <a:spLocks noGrp="1" noChangeArrowheads="1"/>
+            <a:extLst>
+              <a:ext uri="smNativeData">
+                <pr:smNativeData xmlns:pr="smNativeData" val="SMDATA_13_eIVQYBMAAAAlAAAAZAAAAA0AAAAAAAAAAAAAAAAAAAAAAAAAAAAAAAAAAAAAAAAAAAEAAABQAAAAAAAAAAAA4D8AAAAAAADgPwAAAAAAAOA/AAAAAAAA4D8AAAAAAADgPwAAAAAAAOA/AAAAAAAA4D8AAAAAAADgPwAAAAAAAOA/AAAAAAAA4D8CAAAAjAAAAAAAAAAAAAAA////AP///wgAAAAAAAAAAAAAAAAAAAAAAAAAAAAAAAAAAAAAeAAAAAEAAABAAAAAAAAAAAAAAABaAAAAAAAAAAAAAAAAAAAAAAAAAAAAAAAAAAAAAAAAAAAAAAAAAAAAAAAAAAAAAAAAAAAAAAAAAAAAAAAAAAAAAAAAAAAAAAAAAAAAFAAAADwAAAAAAAAAAAAAAAAAAAAPAAAAAQAAACMAAAAjAAAAIwAAAB4AAAAAAAAAZAAAAGQAAAAAAAAAZAAAAGQAAAAVAAAAYAAAAAAAAAAAAAAADwAAACADAAAAAAAAAAAAAAEAAACgMgAAVgcAAKr4//8BAAAAf39/AAEAAABkAAAAAAAAABQAAABAHwAAAAAAACYAAAAAAAAAwOD//wAAAAAmAAAAZAAAABYAAABMAAAAAAAAAAAAAAAEAAAAAAAAAAEAAADu7OEKAAAAACgAAAAoAAAAZAAAAGQAAAAAAAAAzMzMAAAAAABQAAAAUAAAAGQAAABkAAAAAAAAABcAAAAUAAAAAAAAAAAAAAD/fwAA/38AAAAAAAAJAAAABAAAAAQEAAAMAAAAEAAAAAAAAAAAAAAAAAAAAAAAAAAeAAAAaAAAAAAAAAAAAAAAAAAAAAAAAAAAAAAAECcAABAnAAAAAAAAAAAAAAAAAAAAAAAAAAAAAAAAAAAAAAAAAAAAABQAAAAAAAAAwMD/AAAAAABkAAAAMgAAAAAAAABkAAAAAAAAAH9/fwAKAAAAHwAAAFQAAAD///8A////AQAAAAAAAAAAAAAAAAAAAAAAAAAAAAAAAAAAAAAAAAAAAAAAAH9/fwDu7OEDzMzMAMDA/wB/f38AAAAAAAAAAAAAAAAAAAAAAAAAAAAhAAAAGAAAABQAAADIBQAAXTYAAMcoAACANwAAEAAAACYAAAAIAAAAAAAAAAAAAAA="/>
+              </a:ext>
+            </a:extLst>
+          </p:cNvSpPr>
+          <p:nvPr>
+            <p:ph type="body" idx="10"/>
+          </p:nvPr>
+        </p:nvSpPr>
+        <p:spPr/>
+        <p:txBody>
+          <a:bodyPr/>
+          <a:lstStyle/>
+          <a:p>
+            <a:pPr>
+              <a:defRPr lang="en-gb"/>
+            </a:pPr>
           </a:p>
         </p:txBody>
       </p:sp>
     </p:spTree>
-    <p:extLst>
-      <p:ext uri="{BB962C8B-B14F-4D97-AF65-F5344CB8AC3E}">
-        <p14:creationId xmlns:p14="http://schemas.microsoft.com/office/powerpoint/2010/main" val="3454076750"/>
-      </p:ext>
-    </p:extLst>
   </p:cSld>
   <p:clrMapOvr>
     <a:masterClrMapping/>
   </p:clrMapOvr>
+  <p:timing>
+    <p:tnLst>
+      <p:par>
+        <p:cTn id="1" dur="indefinite" restart="never" nodeType="tmRoot"/>
+      </p:par>
+    </p:tnLst>
+  </p:timing>
 </p:sld>
 </file>
 
-<file path=ppt/slides/slide5.xml><?xml version="1.0" encoding="utf-8"?>
-<p:sld xmlns:a="http://schemas.openxmlformats.org/drawingml/2006/main" xmlns:r="http://schemas.openxmlformats.org/officeDocument/2006/relationships" xmlns:p="http://schemas.openxmlformats.org/presentationml/2006/main">
+<file path=ppt/slides/slide4.xml><?xml version="1.0" encoding="utf-8"?>
+<p:sld xmlns:p="http://schemas.openxmlformats.org/presentationml/2006/main" xmlns:p14="http://schemas.microsoft.com/office/powerpoint/2010/main" xmlns:r="http://schemas.openxmlformats.org/officeDocument/2006/relationships" xmlns:a="http://schemas.openxmlformats.org/drawingml/2006/main">
   <p:cSld>
     <p:spTree>
       <p:nvGrpSpPr>
@@ -8115,7 +7770,7 @@
             <a:spLocks noGrp="1" noChangeArrowheads="1"/>
             <a:extLst>
               <a:ext uri="smNativeData">
-                <pr:smNativeData xmlns:pr="smNativeData" xmlns:p14="http://schemas.microsoft.com/office/powerpoint/2010/main" xmlns="" val="SMDATA_13_ec9PYBMAAAAlAAAAZAAAAE0AAAAAAAAAAAAAAAAAAAAAAAAAAAAAAAAAAAAAAAAAAAEAAABQAAAAAAAAAAAA4D8AAAAAAADgPwAAAAAAAOA/AAAAAAAA4D8AAAAAAADgPwAAAAAAAOA/AAAAAAAA4D8AAAAAAADgPwAAAAAAAOA/AAAAAAAA4D8CAAAAjAAAAAAAAAAAAAAAT4G9DP///wgAAAAAAAAAAAAAAAAAAAAAAAAAAAAAAAAAAAAAZAAAAAEAAABAAAAAAAAAAAAAAAAAAAAAAAAAAAAAAAAAAAAAAAAAAAAAAAAAAAAAAAAAAAAAAAAAAAAAAAAAAAAAAAAAAAAAAAAAAAAAAAAAAAAAAAAAAAAAAAAAAAAAFAAAADwAAAAAAAAAAAAAAAAAAAkUAAAAAQAAABQAAAAUAAAAFAAAAAEAAAAAAAAAZAAAAGQAAAAAAAAAZAAAAGQAAAAVAAAAYAAAAAAAAAAAAAAADwAAACADAAAAAAAAAAAAAAEAAACgMgAAVgcAAKr4//8BAAAAf39/AAEAAABkAAAAAAAAABQAAABAHwAAAAAAACYAAAAAAAAAwOD//wAAAAAmAAAAZAAAABYAAABMAAAAAAAAAAAAAAAEAAAAAAAAAAEAAADu7OEKAAAAACgAAAAoAAAAZAAAAGQAAAAAAAAAzMzMAAAAAABQAAAAUAAAAGQAAABkAAAAAAAAABcAAAAUAAAAAAAAAAAAAAD/fwAA/38AAAAAAAAJAAAABAAAAAAAAAAMAAAAEAAAAAAAAAAAAAAAAAAAAAAAAAAeAAAAaAAAAAAAAAAAAAAAAAAAAAAAAAAAAAAAECcAABAnAAAAAAAAAAAAAAAAAAAAAAAAAAAAAAAAAAAAAAAAAAAAABQAAAAAAAAAwMD/AAAAAABkAAAAMgAAAAAAAABkAAAAAAAAAH9/fwAKAAAAHwAAAFQAAABPgb0F////AQAAAAAAAAAAAAAAAAAAAAAAAAAAAAAAAAAAAAAAAAAAAAAAAn9/fwDu7OEDzMzMAMDA/wB/f38AAAAAAAAAAAAAAAAAAAAAAAAAAAAhAAAAGAAAABQAAADIBQAAiQsAAHpIAACpDwAAACAAACYAAAAIAAAAAQAAAAAAAAA="/>
+                <pr:smNativeData xmlns:pr="smNativeData" val="SMDATA_13_eIVQYBMAAAAlAAAAZAAAAA0AAAAAAAAAAAAAAAAAAAAAAAAAAAAAAAAAAAAAAAAAAAEAAABQAAAAAAAAAAAA4D8AAAAAAADgPwAAAAAAAOA/AAAAAAAA4D8AAAAAAADgPwAAAAAAAOA/AAAAAAAA4D8AAAAAAADgPwAAAAAAAOA/AAAAAAAA4D8CAAAAjAAAAAAAAAAAAAAA////AP///wgAAAAAAAAAAAAAAAAAAAAAAAAAAAAAAAAAAAAAeAAAAAEAAABAAAAAAAAAAAAAAABaAAAAAAAAAAAAAAAAAAAAAAAAAAAAAAAAAAAAAAAAAAAAAAAAAAAAAAAAAAAAAAAAAAAAAAAAAAAAAAAAAAAAAAAAAAAAAAAAAAAAFAAAADwAAAAAAAAAAAAAAAAAAAAPAAAAAQAAACMAAAAjAAAAIwAAAB4AAAAAAAAAZAAAAGQAAAAAAAAAZAAAAGQAAAAVAAAAYAAAAAAAAAAAAAAADwAAACADAAAAAAAAAAAAAAEAAACgMgAAVgcAAKr4//8BAAAAf39/AAEAAABkAAAAAAAAABQAAABAHwAAAAAAACYAAAAAAAAAwOD//wAAAAAmAAAAZAAAABYAAABMAAAAAAAAAAAAAAAEAAAAAAAAAAEAAADu7OEKAAAAACgAAAAoAAAAZAAAAGQAAAAAAAAAzMzMAAAAAABQAAAAUAAAAGQAAABkAAAAAAAAABcAAAAUAAAAAAAAAAAAAAD/fwAA/38AAAAAAAAJAAAABAAAAAAAAAAMAAAAEAAAAAAAAAAAAAAAAAAAAAAAAAAeAAAAaAAAAAAAAAAAAAAAAAAAAAAAAAAAAAAAECcAABAnAAAAAAAAAAAAAAAAAAAAAAAAAAAAAAAAAAAAAAAAAAAAABQAAAAAAAAAwMD/AAAAAABkAAAAMgAAAAAAAABkAAAAAAAAAH9/fwAKAAAAHwAAAFQAAAD///8A////AQAAAAAAAAAAAAAAAAAAAAAAAAAAAAAAAAAAAAAAAAAAAAAAAH9/fwDu7OEDzMzMAMDA/wB/f38AAAAAAAAAAAAAAAAAAAAAAAAAAAAhAAAAGAAAABQAAADIBQAAiQsAAHpIAACpDwAAEAAAACYAAAAIAAAAAQAAAAAAAAA="/>
               </a:ext>
             </a:extLst>
           </p:cNvSpPr>
@@ -8137,16 +7792,7 @@
               <a:defRPr lang="en-gb"/>
             </a:pPr>
             <a:r>
-              <a:rPr dirty="0"/>
-              <a:t>Foundations </a:t>
-            </a:r>
-            <a:r>
-              <a:rPr lang="en-GB" dirty="0"/>
-              <a:t>–</a:t>
-            </a:r>
-            <a:r>
-              <a:rPr dirty="0"/>
-              <a:t> Tizen applications</a:t>
+              <a:t>Foundations – Smartwatches</a:t>
             </a:r>
           </a:p>
         </p:txBody>
@@ -8158,7 +7804,7 @@
             <a:spLocks noGrp="1" noChangeArrowheads="1"/>
             <a:extLst>
               <a:ext uri="smNativeData">
-                <pr:smNativeData xmlns:pr="smNativeData" xmlns:p14="http://schemas.microsoft.com/office/powerpoint/2010/main" xmlns="" val="SMDATA_13_ec9PYBMAAAAlAAAAZAAAAE0AAAAAAAAAAAAAAAAAAAAAAAAAAAAAAAAAAAAAAAAAAAEAAABQAAAAAAAAAAAA4D8AAAAAAADgPwAAAAAAAOA/AAAAAAAA4D8AAAAAAADgPwAAAAAAAOA/AAAAAAAA4D8AAAAAAADgPwAAAAAAAOA/AAAAAAAA4D8CAAAAjAAAAAAAAAAAAAAAT4G9DP///wgAAAAAAAAAAAAAAAAAAAAAAAAAAAAAAAAAAAAAZAAAAAEAAABAAAAAAAAAAAAAAAAAAAAAAAAAAAAAAAAAAAAAAAAAAAAAAAAAAAAAAAAAAAAAAAAAAAAAAAAAAAAAAAAAAAAAAAAAAAAAAAAAAAAAAAAAAAAAAAAAAAAAFAAAADwAAAAAAAAAAAAAAAAAAAkUAAAAAQAAABQAAAAUAAAAFAAAAAEAAAAAAAAAZAAAAGQAAAAAAAAAZAAAAGQAAAAVAAAAYAAAAAAAAAAAAAAADwAAACADAAAAAAAAAAAAAAEAAACgMgAAVgcAAKr4//8BAAAAf39/AAEAAABkAAAAAAAAABQAAABAHwAAAAAAACYAAAAAAAAAwOD//wAAAAAmAAAAZAAAABYAAABMAAAAAAAAAAAAAAAEAAAAAAAAAAEAAADu7OEKAAAAACgAAAAoAAAAZAAAAGQAAAAAAAAAzMzMAAAAAABQAAAAUAAAAGQAAABkAAAAAAAAABcAAAAUAAAAAAAAAAAAAAD/fwAA/38AAAAAAAAJAAAABAAAAAAAAAAMAAAAEAAAAAAAAAAAAAAAAAAAAAAAAAAeAAAAaAAAAAAAAAAAAAAAAAAAAAAAAAAAAAAAECcAABAnAAAAAAAAAAAAAAAAAAAAAAAAAAAAAAAAAAAAAAAAAAAAABQAAAAAAAAAwMD/AAAAAABkAAAAMgAAAAAAAABkAAAAAAAAAH9/fwAKAAAAHwAAAFQAAABPgb0F////AQAAAAAAAAAAAAAAAAAAAAAAAAAAAAAAAAAAAAAAAAAAAAAAAn9/fwDu7OEDzMzMAMDA/wB/f38AAAAAAAAAAAAAAAAAAAAAAAAAAAAhAAAAGAAAABQAAADIBQAAwBIAAHpIAACQGwAAACAAACYAAAAIAAAAAYAAAAAAAAA="/>
+                <pr:smNativeData xmlns:pr="smNativeData" val="SMDATA_13_eIVQYBMAAAAlAAAAZAAAAA0AAAAAAAAAAAAAAAAAAAAAAAAAAAAAAAAAAAAAAAAAAAEAAABQAAAAAAAAAAAA4D8AAAAAAADgPwAAAAAAAOA/AAAAAAAA4D8AAAAAAADgPwAAAAAAAOA/AAAAAAAA4D8AAAAAAADgPwAAAAAAAOA/AAAAAAAA4D8CAAAAjAAAAAAAAAAAAAAA////AP///wgAAAAAAAAAAAAAAAAAAAAAAAAAAAAAAAAAAAAAeAAAAAEAAABAAAAAAAAAAAAAAABaAAAAAAAAAAAAAAAAAAAAAAAAAAAAAAAAAAAAAAAAAAAAAAAAAAAAAAAAAAAAAAAAAAAAAAAAAAAAAAAAAAAAAAAAAAAAAAAAAAAAFAAAADwAAAAAAAAAAAAAAAAAAAAPAAAAAQAAACMAAAAjAAAAIwAAAB4AAAAAAAAAZAAAAGQAAAAAAAAAZAAAAGQAAAAVAAAAYAAAAAAAAAAAAAAADwAAACADAAAAAAAAAAAAAAEAAACgMgAAVgcAAKr4//8BAAAAf39/AAEAAABkAAAAAAAAABQAAABAHwAAAAAAACYAAAAAAAAAwOD//wAAAAAmAAAAZAAAABYAAABMAAAAAAAAAAAAAAAEAAAAAAAAAAEAAADu7OEKAAAAACgAAAAoAAAAZAAAAGQAAAAAAAAAzMzMAAAAAABQAAAAUAAAAGQAAABkAAAAAAAAABcAAAAUAAAAAAAAAAAAAAD/fwAA/38AAAAAAAAJAAAABAAAAAAAAAAMAAAAEAAAAAAAAAAAAAAAAAAAAAAAAAAeAAAAaAAAAAAAAAAAAAAAAAAAAAAAAAAAAAAAECcAABAnAAAAAAAAAAAAAAAAAAAAAAAAAAAAAAAAAAAAAAAAAAAAABQAAAAAAAAAwMD/AAAAAABkAAAAMgAAAAAAAABkAAAAAAAAAH9/fwAKAAAAHwAAAFQAAAD///8A////AQAAAAAAAAAAAAAAAAAAAAAAAAAAAAAAAAAAAAAAAAAAAAAAAH9/fwDu7OEDzMzMAMDA/wB/f38AAAAAAAAAAAAAAAAAAAAAAAAAAAAhAAAAGAAAABQAAADJBQAAwRIAAHtIAADDMgAAAAAAACYAAAAIAAAAAYAAAAAAAAA="/>
               </a:ext>
             </a:extLst>
           </p:cNvSpPr>
@@ -8168,8 +7814,8 @@
         </p:nvSpPr>
         <p:spPr>
           <a:xfrm>
-            <a:off x="939800" y="2545715"/>
-            <a:ext cx="10841990" cy="1432560"/>
+            <a:off x="940435" y="3048635"/>
+            <a:ext cx="10841990" cy="5203190"/>
           </a:xfrm>
         </p:spPr>
         <p:txBody>
@@ -8186,7 +7832,7 @@
                 <a:schemeClr val="accent1"/>
               </a:buClr>
               <a:buSzPts val="2910"/>
-              <a:buFont typeface="Wingdings" charset="0"/>
+              <a:buFont typeface="Wingdings" pitchFamily="0" charset="0"/>
               <a:buChar char="§"/>
               <a:tabLst/>
               <a:defRPr lang="de-de" sz="2800" b="0" i="0" baseline="0">
@@ -8217,7 +7863,7 @@
               <a:lnSpc>
                 <a:spcPct val="150000"/>
               </a:lnSpc>
-              <a:buFont typeface="Wingdings" charset="0"/>
+              <a:buFont typeface="Wingdings" pitchFamily="0" charset="0"/>
               <a:buChar char="§"/>
               <a:defRPr lang="de-de" sz="2000" b="0" i="0" baseline="0">
                 <a:solidFill>
@@ -8249,94 +7895,90 @@
           </a:lstStyle>
           <a:p>
             <a:pPr>
-              <a:defRPr lang="de-de" b="0"/>
-            </a:pPr>
-            <a:r>
-              <a:rPr dirty="0"/>
-              <a:t>Native applications </a:t>
-            </a:r>
-            <a:r>
-              <a:rPr lang="en-GB" dirty="0"/>
-              <a:t>–</a:t>
-            </a:r>
-            <a:r>
-              <a:rPr dirty="0"/>
-              <a:t> C/C++ based</a:t>
-            </a:r>
+              <a:defRPr lang="de-de"/>
+            </a:pPr>
+            <a:r>
+              <a:rPr lang="en-us"/>
+              <a:t>What is a smartwatch ?</a:t>
+            </a:r>
+            <a:endParaRPr lang="en-us"/>
+          </a:p>
+          <a:p>
+            <a:pPr>
+              <a:defRPr lang="de-de"/>
+            </a:pPr>
+            <a:r>
+              <a:rPr lang="en-us"/>
+              <a:t>Features</a:t>
+            </a:r>
+            <a:endParaRPr lang="en-us"/>
           </a:p>
           <a:p>
             <a:pPr lvl="1">
-              <a:defRPr lang="de-de" b="0"/>
-            </a:pPr>
-            <a:r>
-              <a:rPr lang="de-DE" dirty="0"/>
-              <a:t>Advantages</a:t>
-            </a:r>
+              <a:defRPr lang="de-de"/>
+            </a:pPr>
+            <a:r>
+              <a:rPr lang="en-us"/>
+              <a:t>Have WiFi/Bluetooth connectivity</a:t>
+            </a:r>
+            <a:endParaRPr lang="en-us"/>
           </a:p>
           <a:p>
             <a:pPr lvl="1">
-              <a:defRPr lang="de-de" b="0"/>
-            </a:pPr>
-            <a:r>
-              <a:rPr lang="de-DE" dirty="0"/>
-              <a:t>Disadvantages</a:t>
-            </a:r>
-            <a:endParaRPr dirty="0"/>
-          </a:p>
-          <a:p>
-            <a:pPr>
-              <a:defRPr lang="de-de" b="0"/>
-            </a:pPr>
-            <a:r>
-              <a:rPr lang="de-DE" dirty="0"/>
-              <a:t>Web applications – HTML5 based</a:t>
-            </a:r>
+              <a:defRPr lang="de-de"/>
+            </a:pPr>
+            <a:r>
+              <a:rPr lang="en-us"/>
+              <a:t>Support mobile applications</a:t>
+            </a:r>
+            <a:endParaRPr lang="en-us"/>
           </a:p>
           <a:p>
             <a:pPr lvl="1">
-              <a:defRPr lang="de-de" b="0"/>
-            </a:pPr>
-            <a:r>
-              <a:rPr lang="de-DE" dirty="0"/>
-              <a:t>Advantages</a:t>
-            </a:r>
+              <a:defRPr lang="de-de"/>
+            </a:pPr>
+            <a:r>
+              <a:rPr lang="en-us"/>
+              <a:t>Have their own operating system</a:t>
+            </a:r>
+            <a:endParaRPr lang="en-us"/>
           </a:p>
           <a:p>
             <a:pPr lvl="1">
-              <a:defRPr lang="de-de" b="0"/>
-            </a:pPr>
-            <a:r>
-              <a:rPr lang="de-DE" dirty="0"/>
-              <a:t>Disadvantages</a:t>
-            </a:r>
-          </a:p>
-          <a:p>
-            <a:pPr>
-              <a:defRPr lang="de-de" b="0"/>
-            </a:pPr>
-            <a:r>
-              <a:rPr lang="de-DE" dirty="0"/>
-              <a:t>.Net applications – C# based</a:t>
+              <a:defRPr lang="de-de"/>
+            </a:pPr>
+            <a:r>
+              <a:rPr lang="en-us"/>
+              <a:t>Peripheral devices (sensors)</a:t>
+            </a:r>
+            <a:endParaRPr lang="en-us"/>
+          </a:p>
+          <a:p>
+            <a:pPr>
+              <a:defRPr lang="de-de"/>
+            </a:pPr>
+            <a:r>
+              <a:t>A</a:t>
+            </a:r>
+          </a:p>
+          <a:p>
+            <a:pPr>
+              <a:defRPr lang="de-de"/>
+            </a:pPr>
+            <a:r>
+              <a:t>B</a:t>
             </a:r>
           </a:p>
           <a:p>
             <a:pPr lvl="1">
-              <a:defRPr lang="de-de" b="0"/>
-            </a:pPr>
-            <a:r>
-              <a:rPr lang="de-DE" dirty="0"/>
-              <a:t>Advantages</a:t>
-            </a:r>
-          </a:p>
-          <a:p>
-            <a:pPr lvl="1">
-              <a:defRPr lang="de-de" b="0"/>
-            </a:pPr>
-            <a:r>
-              <a:rPr lang="de-DE" dirty="0"/>
-              <a:t>Disadvantages</a:t>
-            </a:r>
-            <a:endParaRPr dirty="0"/>
+              <a:defRPr lang="de-de"/>
+            </a:pPr>
+          </a:p>
+          <a:p>
+            <a:pPr>
+              <a:defRPr lang="de-de"/>
+            </a:pPr>
+            <a:endParaRPr lang="en-gb"/>
           </a:p>
         </p:txBody>
       </p:sp>
@@ -8347,7 +7989,7 @@
             <a:spLocks noGrp="1" noChangeArrowheads="1"/>
             <a:extLst>
               <a:ext uri="smNativeData">
-                <pr:smNativeData xmlns:pr="smNativeData" xmlns:p14="http://schemas.microsoft.com/office/powerpoint/2010/main" xmlns="" val="SMDATA_13_ec9PYBMAAAAlAAAAZAAAAA0AAAAAAAAAAAAAAAAAAAAAAAAAAAAAAAAAAAAAAAAAAAEAAABQAAAAAAAAAAAA4D8AAAAAAADgPwAAAAAAAOA/AAAAAAAA4D8AAAAAAADgPwAAAAAAAOA/AAAAAAAA4D8AAAAAAADgPwAAAAAAAOA/AAAAAAAA4D8CAAAAjAAAAAAAAAAAAAAAT4G9DP///wgAAAAAAAAAAAAAAAAAAAAAAAAAAAAAAAAAAAAAZAAAAAEAAABAAAAAAAAAAAAAAAAAAAAAAAAAAAAAAAAAAAAAAAAAAAAAAAAAAAAAAAAAAAAAAAAAAAAAAAAAAAAAAAAAAAAAAAAAAAAAAAAAAAAAAAAAAAAAAAAAAAAAFAAAADwAAAAAAAAAAAAAAAAAAAkUAAAAAQAAABQAAAAUAAAAFAAAAAEAAAAAAAAAZAAAAGQAAAAAAAAAZAAAAGQAAAAVAAAAYAAAAAAAAAAAAAAADwAAACADAAAAAAAAAAAAAAEAAACgMgAAVgcAAKr4//8BAAAAf39/AAEAAABkAAAAAAAAABQAAABAHwAAAAAAACYAAAAAAAAAwOD//wAAAAAmAAAAZAAAABYAAABMAAAAAAAAAAAAAAAEAAAAAAAAAAEAAADu7OEKAAAAACgAAAAoAAAAZAAAAGQAAAAAAAAAzMzMAAAAAABQAAAAUAAAAGQAAABkAAAAAAAAABcAAAAUAAAAAAAAAAAAAAD/fwAA/38AAAAAAAAJAAAABAAAAAAAAAAMAAAAEAAAAAAAAAAAAAAAAAAAAAAAAAAeAAAAaAAAAAAAAAAAAAAAAAAAAAAAAAAAAAAAECcAABAnAAAAAAAAAAAAAAAAAAAAAAAAAAAAAAAAAAAAAAAAAAAAABQAAAAAAAAAwMD/AAAAAABkAAAAMgAAAAAAAABkAAAAAAAAAH9/fwAKAAAAHwAAAFQAAABPgb0F////AQAAAAAAAAAAAAAAAAAAAAAAAAAAAAAAAAAAAAAAAAAAAAAAAn9/fwDu7OEDzMzMAMDA/wB/f38AAAAAAAAAAAAAAAAAAAAAAAAAAAAhAAAAGAAAABQAAADqAQAA4DgAAPAKAACYOgAAEAAAACYAAAAIAAAAAQAAAAAAAAA="/>
+                <pr:smNativeData xmlns:pr="smNativeData" val="SMDATA_13_eIVQYBMAAAAlAAAAZAAAAA0AAAAAAAAAAAAAAAAAAAAAAAAAAAAAAAAAAAAAAAAAAAEAAABQAAAAAAAAAAAA4D8AAAAAAADgPwAAAAAAAOA/AAAAAAAA4D8AAAAAAADgPwAAAAAAAOA/AAAAAAAA4D8AAAAAAADgPwAAAAAAAOA/AAAAAAAA4D8CAAAAjAAAAAAAAAAAAAAA////AP///wgAAAAAAAAAAAAAAAAAAAAAAAAAAAAAAAAAAAAAeAAAAAEAAABAAAAAAAAAAAAAAABaAAAAAAAAAAAAAAAAAAAAAAAAAAAAAAAAAAAAAAAAAAAAAAAAAAAAAAAAAAAAAAAAAAAAAAAAAAAAAAAAAAAAAAAAAAAAAAAAAAAAFAAAADwAAAAAAAAAAAAAAAAAAAAPAAAAAQAAACMAAAAjAAAAIwAAAB4AAAAAAAAAZAAAAGQAAAAAAAAAZAAAAGQAAAAVAAAAYAAAAAAAAAAAAAAADwAAACADAAAAAAAAAAAAAAEAAACgMgAAVgcAAKr4//8BAAAAf39/AAEAAABkAAAAAAAAABQAAABAHwAAAAAAACYAAAAAAAAAwOD//wAAAAAmAAAAZAAAABYAAABMAAAAAAAAAAAAAAAEAAAAAAAAAAEAAADu7OEKAAAAACgAAAAoAAAAZAAAAGQAAAAAAAAAzMzMAAAAAABQAAAAUAAAAGQAAABkAAAAAAAAABcAAAAUAAAAAAAAAAAAAAD/fwAA/38AAAAAAAAJAAAABAAAAAAAAAAMAAAAEAAAAAAAAAAAAAAAAAAAAAAAAAAeAAAAaAAAAAAAAAAAAAAAAAAAAAAAAAAAAAAAECcAABAnAAAAAAAAAAAAAAAAAAAAAAAAAAAAAAAAAAAAAAAAAAAAABQAAAAAAAAAwMD/AAAAAABkAAAAMgAAAAAAAABkAAAAAAAAAH9/fwAKAAAAHwAAAFQAAAD///8A////AQAAAAAAAAAAAAAAAAAAAAAAAAAAAAAAAAAAAAAAAAAAAAAAAH9/fwDu7OEDzMzMAMDA/wB/f38AAAAAAAAAAAAAAAAAAAAAAAAAAAAhAAAAGAAAABQAAADqAQAA4DgAAPAKAACYOgAAEAAAACYAAAAIAAAAAAAAAAAAAAA="/>
               </a:ext>
             </a:extLst>
           </p:cNvSpPr>
@@ -8355,12 +7997,7 @@
             <p:ph type="dt" sz="half" idx="2"/>
           </p:nvPr>
         </p:nvSpPr>
-        <p:spPr>
-          <a:xfrm>
-            <a:off x="311150" y="9245600"/>
-            <a:ext cx="1466850" cy="279400"/>
-          </a:xfrm>
-        </p:spPr>
+        <p:spPr/>
         <p:txBody>
           <a:bodyPr/>
           <a:lstStyle/>
@@ -8381,7 +8018,7 @@
             <a:spLocks noGrp="1" noChangeArrowheads="1"/>
             <a:extLst>
               <a:ext uri="smNativeData">
-                <pr:smNativeData xmlns:pr="smNativeData" xmlns:p14="http://schemas.microsoft.com/office/powerpoint/2010/main" xmlns="" val="SMDATA_13_ec9PYBMAAAAlAAAAZAAAAA0AAAAAAAAAAAAAAAAAAAAAAAAAAAAAAAAAAAAAAAAAAAEAAABQAAAAAAAAAAAA4D8AAAAAAADgPwAAAAAAAOA/AAAAAAAA4D8AAAAAAADgPwAAAAAAAOA/AAAAAAAA4D8AAAAAAADgPwAAAAAAAOA/AAAAAAAA4D8CAAAAjAAAAAAAAAAAAAAAT4G9DP///wgAAAAAAAAAAAAAAAAAAAAAAAAAAAAAAAAAAAAAZAAAAAEAAABAAAAAAAAAAAAAAAAAAAAAAAAAAAAAAAAAAAAAAAAAAAAAAAAAAAAAAAAAAAAAAAAAAAAAAAAAAAAAAAAAAAAAAAAAAAAAAAAAAAAAAAAAAAAAAAAAAAAAFAAAADwAAAAAAAAAAAAAAAAAAAkUAAAAAQAAABQAAAAUAAAAFAAAAAEAAAAAAAAAZAAAAGQAAAAAAAAAZAAAAGQAAAAVAAAAYAAAAAAAAAAAAAAADwAAACADAAAAAAAAAAAAAAEAAACgMgAAVgcAAKr4//8BAAAAf39/AAEAAABkAAAAAAAAABQAAABAHwAAAAAAACYAAAAAAAAAwOD//wAAAAAmAAAAZAAAABYAAABMAAAAAAAAAAAAAAAEAAAAAAAAAAEAAADu7OEKAAAAACgAAAAoAAAAZAAAAGQAAAAAAAAAzMzMAAAAAABQAAAAUAAAAGQAAABkAAAAAAAAABcAAAAUAAAAAAAAAAAAAAD/fwAA/38AAAAAAAAJAAAABAAAAAAAAAAMAAAAEAAAAAAAAAAAAAAAAAAAAAAAAAAeAAAAaAAAAAAAAAAAAAAAAAAAAAAAAAAAAAAAECcAABAnAAAAAAAAAAAAAAAAAAAAAAAAAAAAAAAAAAAAAAAAAAAAABQAAAAAAAAAwMD/AAAAAABkAAAAMgAAAAAAAABkAAAAAAAAAH9/fwAKAAAAHwAAAFQAAABPgb0F////AQAAAAAAAAAAAAAAAAAAAAAAAAAAAAAAAAAAAAAAAAAAAAAAAn9/fwDu7OEDzMzMAMDA/wB/f38AAAAAAAAAAAAAAAAAAAAAAAAAAAAhAAAAGAAAABQAAADQSAAAGDkAABZOAACYOgAAEAAAACYAAAAIAAAAAAAAAAAAAAA="/>
+                <pr:smNativeData xmlns:pr="smNativeData" val="SMDATA_13_eIVQYBMAAAAlAAAAZAAAAA0AAAAAAAAAAAAAAAAAAAAAAAAAAAAAAAAAAAAAAAAAAAEAAABQAAAAAAAAAAAA4D8AAAAAAADgPwAAAAAAAOA/AAAAAAAA4D8AAAAAAADgPwAAAAAAAOA/AAAAAAAA4D8AAAAAAADgPwAAAAAAAOA/AAAAAAAA4D8CAAAAjAAAAAAAAAAAAAAA////AP///wgAAAAAAAAAAAAAAAAAAAAAAAAAAAAAAAAAAAAAeAAAAAEAAABAAAAAAAAAAAAAAABaAAAAAAAAAAAAAAAAAAAAAAAAAAAAAAAAAAAAAAAAAAAAAAAAAAAAAAAAAAAAAAAAAAAAAAAAAAAAAAAAAAAAAAAAAAAAAAAAAAAAFAAAADwAAAAAAAAAAAAAAAAAAAAPAAAAAQAAACMAAAAjAAAAIwAAAB4AAAAAAAAAZAAAAGQAAAAAAAAAZAAAAGQAAAAVAAAAYAAAAAAAAAAAAAAADwAAACADAAAAAAAAAAAAAAEAAACgMgAAVgcAAKr4//8BAAAAf39/AAEAAABkAAAAAAAAABQAAABAHwAAAAAAACYAAAAAAAAAwOD//wAAAAAmAAAAZAAAABYAAABMAAAAAAAAAAAAAAAEAAAAAAAAAAEAAADu7OEKAAAAACgAAAAoAAAAZAAAAGQAAAAAAAAAzMzMAAAAAABQAAAAUAAAAGQAAABkAAAAAAAAABcAAAAUAAAAAAAAAAAAAAD/fwAA/38AAAAAAAAJAAAABAAAAAAAAAAMAAAAEAAAAAAAAAAAAAAAAAAAAAAAAAAeAAAAaAAAAAAAAAAAAAAAAAAAAAAAAAAAAAAAECcAABAnAAAAAAAAAAAAAAAAAAAAAAAAAAAAAAAAAAAAAAAAAAAAABQAAAAAAAAAwMD/AAAAAABkAAAAMgAAAAAAAABkAAAAAAAAAH9/fwAKAAAAHwAAAFQAAAD///8A////AQAAAAAAAAAAAAAAAAAAAAAAAAAAAAAAAAAAAAAAAAAAAAAAAH9/fwDu7OEDzMzMAMDA/wB/f38AAAAAAAAAAAAAAAAAAAAAAAAAAAAhAAAAGAAAABQAAADQSAAAGDkAABZOAACYOgAAEAAAACYAAAAIAAAAAAAAAAAAAAA="/>
               </a:ext>
             </a:extLst>
           </p:cNvSpPr>
@@ -8397,100 +8034,29 @@
             <a:pPr>
               <a:defRPr lang="de-de"/>
             </a:pPr>
-            <a:fld id="{5E2C5BB6-F8B3-79AD-FD94-0EF815DA0B5B}" type="slidenum">
-              <a:t>5</a:t>
+            <a:fld id="{36AB98A1-EFDB-FE6E-9513-193BD65D634C}" type="slidenum">
+              <a:t>4</a:t>
             </a:fld>
-            <a:endParaRPr/>
-          </a:p>
-        </p:txBody>
-      </p:sp>
-      <p:pic>
-        <p:nvPicPr>
-          <p:cNvPr id="1026" name="Picture 2">
-            <a:extLst>
-              <a:ext uri="{FF2B5EF4-FFF2-40B4-BE49-F238E27FC236}">
-                <a16:creationId xmlns:a16="http://schemas.microsoft.com/office/drawing/2014/main" id="{011DEEEC-39CD-47DB-AE5A-8ED1DD9B8005}"/>
-              </a:ext>
-            </a:extLst>
-          </p:cNvPr>
-          <p:cNvPicPr>
-            <a:picLocks noChangeAspect="1" noChangeArrowheads="1"/>
-          </p:cNvPicPr>
-          <p:nvPr/>
-        </p:nvPicPr>
-        <p:blipFill>
-          <a:blip r:embed="rId2" cstate="print">
-            <a:extLst>
-              <a:ext uri="{28A0092B-C50C-407E-A947-70E740481C1C}">
-                <a14:useLocalDpi xmlns:a14="http://schemas.microsoft.com/office/drawing/2010/main" val="0"/>
-              </a:ext>
-            </a:extLst>
-          </a:blip>
-          <a:srcRect/>
-          <a:stretch>
-            <a:fillRect/>
-          </a:stretch>
-        </p:blipFill>
-        <p:spPr bwMode="auto">
-          <a:xfrm>
-            <a:off x="10195719" y="3031008"/>
-            <a:ext cx="2069306" cy="2069306"/>
-          </a:xfrm>
-          <a:prstGeom prst="rect">
-            <a:avLst/>
-          </a:prstGeom>
-          <a:noFill/>
-          <a:extLst>
-            <a:ext uri="{909E8E84-426E-40DD-AFC4-6F175D3DCCD1}">
-              <a14:hiddenFill xmlns:a14="http://schemas.microsoft.com/office/drawing/2010/main">
-                <a:solidFill>
-                  <a:srgbClr val="FFFFFF"/>
-                </a:solidFill>
-              </a14:hiddenFill>
-            </a:ext>
-          </a:extLst>
-        </p:spPr>
-      </p:pic>
-      <p:pic>
-        <p:nvPicPr>
-          <p:cNvPr id="7" name="Picture 6">
-            <a:extLst>
-              <a:ext uri="{FF2B5EF4-FFF2-40B4-BE49-F238E27FC236}">
-                <a16:creationId xmlns:a16="http://schemas.microsoft.com/office/drawing/2014/main" id="{F2058864-F526-4EB9-9C3A-D15A2586F39A}"/>
-              </a:ext>
-            </a:extLst>
-          </p:cNvPr>
-          <p:cNvPicPr>
-            <a:picLocks noChangeAspect="1"/>
-          </p:cNvPicPr>
-          <p:nvPr/>
-        </p:nvPicPr>
-        <p:blipFill>
-          <a:blip r:embed="rId3"/>
-          <a:stretch>
-            <a:fillRect/>
-          </a:stretch>
-        </p:blipFill>
-        <p:spPr>
-          <a:xfrm>
-            <a:off x="5585274" y="6240145"/>
-            <a:ext cx="7108376" cy="2555722"/>
-          </a:xfrm>
-          <a:prstGeom prst="rect">
-            <a:avLst/>
-          </a:prstGeom>
-        </p:spPr>
-      </p:pic>
+          </a:p>
+        </p:txBody>
+      </p:sp>
     </p:spTree>
   </p:cSld>
   <p:clrMapOvr>
     <a:masterClrMapping/>
   </p:clrMapOvr>
+  <p:timing>
+    <p:tnLst>
+      <p:par>
+        <p:cTn id="1" dur="indefinite" restart="never" nodeType="tmRoot"/>
+      </p:par>
+    </p:tnLst>
+  </p:timing>
 </p:sld>
 </file>
 
-<file path=ppt/slides/slide6.xml><?xml version="1.0" encoding="utf-8"?>
-<p:sld xmlns:a="http://schemas.openxmlformats.org/drawingml/2006/main" xmlns:r="http://schemas.openxmlformats.org/officeDocument/2006/relationships" xmlns:p="http://schemas.openxmlformats.org/presentationml/2006/main">
+<file path=ppt/slides/slide5.xml><?xml version="1.0" encoding="utf-8"?>
+<p:sld xmlns:p="http://schemas.openxmlformats.org/presentationml/2006/main" xmlns:p14="http://schemas.microsoft.com/office/powerpoint/2010/main" xmlns:r="http://schemas.openxmlformats.org/officeDocument/2006/relationships" xmlns:a="http://schemas.openxmlformats.org/drawingml/2006/main">
   <p:cSld>
     <p:spTree>
       <p:nvGrpSpPr>
@@ -8513,7 +8079,7 @@
             <a:spLocks noGrp="1" noChangeArrowheads="1"/>
             <a:extLst>
               <a:ext uri="smNativeData">
-                <pr:smNativeData xmlns="" xmlns:p14="http://schemas.microsoft.com/office/powerpoint/2010/main" xmlns:pr="smNativeData" val="SMDATA_13_ec9PYBMAAAAlAAAAZAAAAE0AAAAAAAAAAAAAAAAAAAAAAAAAAAAAAAAAAAAAAAAAAAEAAABQAAAAAAAAAAAA4D8AAAAAAADgPwAAAAAAAOA/AAAAAAAA4D8AAAAAAADgPwAAAAAAAOA/AAAAAAAA4D8AAAAAAADgPwAAAAAAAOA/AAAAAAAA4D8CAAAAjAAAAAAAAAAAAAAAT4G9DP///wgAAAAAAAAAAAAAAAAAAAAAAAAAAAAAAAAAAAAAZAAAAAEAAABAAAAAAAAAAAAAAAAAAAAAAAAAAAAAAAAAAAAAAAAAAAAAAAAAAAAAAAAAAAAAAAAAAAAAAAAAAAAAAAAAAAAAAAAAAAAAAAAAAAAAAAAAAAAAAAAAAAAAFAAAADwAAAAAAAAAAAAAAAAAAAkUAAAAAQAAABQAAAAUAAAAFAAAAAEAAAAAAAAAZAAAAGQAAAAAAAAAZAAAAGQAAAAVAAAAYAAAAAAAAAAAAAAADwAAACADAAAAAAAAAAAAAAEAAACgMgAAVgcAAKr4//8BAAAAf39/AAEAAABkAAAAAAAAABQAAABAHwAAAAAAACYAAAAAAAAAwOD//wAAAAAmAAAAZAAAABYAAABMAAAAAAAAAAAAAAAEAAAAAAAAAAEAAADu7OEKAAAAACgAAAAoAAAAZAAAAGQAAAAAAAAAzMzMAAAAAABQAAAAUAAAAGQAAABkAAAAAAAAABcAAAAUAAAAAAAAAAAAAAD/fwAA/38AAAAAAAAJAAAABAAAAAAAAAAMAAAAEAAAAAAAAAAAAAAAAAAAAAAAAAAeAAAAaAAAAAAAAAAAAAAAAAAAAAAAAAAAAAAAECcAABAnAAAAAAAAAAAAAAAAAAAAAAAAAAAAAAAAAAAAAAAAAAAAABQAAAAAAAAAwMD/AAAAAABkAAAAMgAAAAAAAABkAAAAAAAAAH9/fwAKAAAAHwAAAFQAAABPgb0F////AQAAAAAAAAAAAAAAAAAAAAAAAAAAAAAAAAAAAAAAAAAAAAAAAn9/fwDu7OEDzMzMAMDA/wB/f38AAAAAAAAAAAAAAAAAAAAAAAAAAAAhAAAAGAAAABQAAADIBQAAiQsAAHpIAACpDwAAACAAACYAAAAIAAAAAQAAAAAAAAA="/>
+                <pr:smNativeData xmlns:pr="smNativeData" val="SMDATA_13_eIVQYBMAAAAlAAAAZAAAAA0AAAAAAAAAAAAAAAAAAAAAAAAAAAAAAAAAAAAAAAAAAAEAAABQAAAAAAAAAAAA4D8AAAAAAADgPwAAAAAAAOA/AAAAAAAA4D8AAAAAAADgPwAAAAAAAOA/AAAAAAAA4D8AAAAAAADgPwAAAAAAAOA/AAAAAAAA4D8CAAAAjAAAAAAAAAAAAAAA////AP///wgAAAAAAAAAAAAAAAAAAAAAAAAAAAAAAAAAAAAAeAAAAAEAAABAAAAAAAAAAAAAAABaAAAAAAAAAAAAAAAAAAAAAAAAAAAAAAAAAAAAAAAAAAAAAAAAAAAAAAAAAAAAAAAAAAAAAAAAAAAAAAAAAAAAAAAAAAAAAAAAAAAAFAAAADwAAAAAAAAAAAAAAAAAAAAPAAAAAQAAACMAAAAjAAAAIwAAAB4AAAAAAAAAZAAAAGQAAAAAAAAAZAAAAGQAAAAVAAAAYAAAAAAAAAAAAAAADwAAACADAAAAAAAAAAAAAAEAAACgMgAAVgcAAKr4//8BAAAAf39/AAEAAABkAAAAAAAAABQAAABAHwAAAAAAACYAAAAAAAAAwOD//wAAAAAmAAAAZAAAABYAAABMAAAAAAAAAAAAAAAEAAAAAAAAAAEAAADu7OEKAAAAACgAAAAoAAAAZAAAAGQAAAAAAAAAzMzMAAAAAABQAAAAUAAAAGQAAABkAAAAAAAAABcAAAAUAAAAAAAAAAAAAAD/fwAA/38AAAAAAAAJAAAABAAAAAAAAAAMAAAAEAAAAAAAAAAAAAAAAAAAAAAAAAAeAAAAaAAAAAAAAAAAAAAAAAAAAAAAAAAAAAAAECcAABAnAAAAAAAAAAAAAAAAAAAAAAAAAAAAAAAAAAAAAAAAAAAAABQAAAAAAAAAwMD/AAAAAABkAAAAMgAAAAAAAABkAAAAAAAAAH9/fwAKAAAAHwAAAFQAAAD///8A////AQAAAAAAAAAAAAAAAAAAAAAAAAAAAAAAAAAAAAAAAAAAAAAAAH9/fwDu7OEDzMzMAMDA/wB/f38AAAAAAAAAAAAAAAAAAAAAAAAAAAAhAAAAGAAAABQAAADIBQAAiQsAAHpIAACpDwAAEAAAACYAAAAIAAAAAQAAAAAAAAA="/>
               </a:ext>
             </a:extLst>
           </p:cNvSpPr>
@@ -8535,38 +8101,8 @@
               <a:defRPr lang="en-gb"/>
             </a:pPr>
             <a:r>
-              <a:rPr dirty="0"/>
-              <a:t>Foundations </a:t>
-            </a:r>
-            <a:r>
-              <a:rPr lang="en-GB" dirty="0"/>
-              <a:t>–</a:t>
-            </a:r>
-            <a:r>
-              <a:rPr dirty="0"/>
-              <a:t> </a:t>
-            </a:r>
-            <a:r>
-              <a:rPr dirty="0" err="1"/>
-              <a:t>.Net</a:t>
-            </a:r>
-            <a:r>
-              <a:rPr dirty="0"/>
-              <a:t> applications</a:t>
-            </a:r>
-            <a:br>
-              <a:rPr dirty="0"/>
-            </a:br>
-            <a:br>
-              <a:rPr lang="en-GB" dirty="0"/>
-            </a:br>
-            <a:br>
-              <a:rPr dirty="0"/>
-            </a:br>
-            <a:br>
-              <a:rPr dirty="0"/>
-            </a:br>
-            <a:endParaRPr dirty="0"/>
+              <a:t>Foundations – Tizen applications</a:t>
+            </a:r>
           </a:p>
         </p:txBody>
       </p:sp>
@@ -8577,7 +8113,7 @@
             <a:spLocks noGrp="1" noChangeArrowheads="1"/>
             <a:extLst>
               <a:ext uri="smNativeData">
-                <pr:smNativeData xmlns="" xmlns:p14="http://schemas.microsoft.com/office/powerpoint/2010/main" xmlns:pr="smNativeData" val="SMDATA_13_ec9PYBMAAAAlAAAAZAAAAE0AAAAAAAAAAAAAAAAAAAAAAAAAAAAAAAAAAAAAAAAAAAEAAABQAAAAAAAAAAAA4D8AAAAAAADgPwAAAAAAAOA/AAAAAAAA4D8AAAAAAADgPwAAAAAAAOA/AAAAAAAA4D8AAAAAAADgPwAAAAAAAOA/AAAAAAAA4D8CAAAAjAAAAAAAAAAAAAAAT4G9DP///wgAAAAAAAAAAAAAAAAAAAAAAAAAAAAAAAAAAAAAZAAAAAEAAABAAAAAAAAAAAAAAAAAAAAAAAAAAAAAAAAAAAAAAAAAAAAAAAAAAAAAAAAAAAAAAAAAAAAAAAAAAAAAAAAAAAAAAAAAAAAAAAAAAAAAAAAAAAAAAAAAAAAAFAAAADwAAAAAAAAAAAAAAAAAAAkUAAAAAQAAABQAAAAUAAAAFAAAAAEAAAAAAAAAZAAAAGQAAAAAAAAAZAAAAGQAAAAVAAAAYAAAAAAAAAAAAAAADwAAACADAAAAAAAAAAAAAAEAAACgMgAAVgcAAKr4//8BAAAAf39/AAEAAABkAAAAAAAAABQAAABAHwAAAAAAACYAAAAAAAAAwOD//wAAAAAmAAAAZAAAABYAAABMAAAAAAAAAAAAAAAEAAAAAAAAAAEAAADu7OEKAAAAACgAAAAoAAAAZAAAAGQAAAAAAAAAzMzMAAAAAABQAAAAUAAAAGQAAABkAAAAAAAAABcAAAAUAAAAAAAAAAAAAAD/fwAA/38AAAAAAAAJAAAABAAAAAAAAAAMAAAAEAAAAAAAAAAAAAAAAAAAAAAAAAAeAAAAaAAAAAAAAAAAAAAAAAAAAAAAAAAAAAAAECcAABAnAAAAAAAAAAAAAAAAAAAAAAAAAAAAAAAAAAAAAAAAAAAAABQAAAAAAAAAwMD/AAAAAABkAAAAMgAAAAAAAABkAAAAAAAAAH9/fwAKAAAAHwAAAFQAAABPgb0F////AQAAAAAAAAAAAAAAAAAAAAAAAAAAAAAAAAAAAAAAAAAAAAAAAn9/fwDu7OEDzMzMAMDA/wB/f38AAAAAAAAAAAAAAAAAAAAAAAAAAAAhAAAAGAAAABQAAADIBQAAwBIAAHpIAACQGwAAACAAACYAAAAIAAAAAYAAAAAAAAA="/>
+                <pr:smNativeData xmlns:pr="smNativeData" val="SMDATA_13_eIVQYBMAAAAlAAAAZAAAAA0AAAAAAAAAAAAAAAAAAAAAAAAAAAAAAAAAAAAAAAAAAAEAAABQAAAAAAAAAAAA4D8AAAAAAADgPwAAAAAAAOA/AAAAAAAA4D8AAAAAAADgPwAAAAAAAOA/AAAAAAAA4D8AAAAAAADgPwAAAAAAAOA/AAAAAAAA4D8CAAAAjAAAAAAAAAAAAAAA////AP///wgAAAAAAAAAAAAAAAAAAAAAAAAAAAAAAAAAAAAAeAAAAAEAAABAAAAAAAAAAAAAAABaAAAAAAAAAAAAAAAAAAAAAAAAAAAAAAAAAAAAAAAAAAAAAAAAAAAAAAAAAAAAAAAAAAAAAAAAAAAAAAAAAAAAAAAAAAAAAAAAAAAAFAAAADwAAAAAAAAAAAAAAAAAAAAPAAAAAQAAACMAAAAjAAAAIwAAAB4AAAAAAAAAZAAAAGQAAAAAAAAAZAAAAGQAAAAVAAAAYAAAAAAAAAAAAAAADwAAACADAAAAAAAAAAAAAAEAAACgMgAAVgcAAKr4//8BAAAAf39/AAEAAABkAAAAAAAAABQAAABAHwAAAAAAACYAAAAAAAAAwOD//wAAAAAmAAAAZAAAABYAAABMAAAAAAAAAAAAAAAEAAAAAAAAAAEAAADu7OEKAAAAACgAAAAoAAAAZAAAAGQAAAAAAAAAzMzMAAAAAABQAAAAUAAAAGQAAABkAAAAAAAAABcAAAAUAAAAAAAAAAAAAAD/fwAA/38AAAAAAAAJAAAABAAAAAAAAAAMAAAAEAAAAAAAAAAAAAAAAAAAAAAAAAAeAAAAaAAAAAAAAAAAAAAAAAAAAAAAAAAAAAAAECcAABAnAAAAAAAAAAAAAAAAAAAAAAAAAAAAAAAAAAAAAAAAAAAAABQAAAAAAAAAwMD/AAAAAABkAAAAMgAAAAAAAABkAAAAAAAAAH9/fwAKAAAAHwAAAFQAAAD///8A////AQAAAAAAAAAAAAAAAAAAAAAAAAAAAAAAAAAAAAAAAAAAAAAAAH9/fwDu7OEDzMzMAMDA/wB/f38AAAAAAAAAAAAAAAAAAAAAAAAAAAAhAAAAGAAAABQAAADIBQAAyRIAAGRIAADaNQAAAAAAACYAAAAIAAAAAYAAAAAAAAA="/>
               </a:ext>
             </a:extLst>
           </p:cNvSpPr>
@@ -8587,8 +8123,8 @@
         </p:nvSpPr>
         <p:spPr>
           <a:xfrm>
-            <a:off x="995436" y="2707075"/>
-            <a:ext cx="6655044" cy="3174295"/>
+            <a:off x="939800" y="3053715"/>
+            <a:ext cx="10828020" cy="5700395"/>
           </a:xfrm>
         </p:spPr>
         <p:txBody>
@@ -8605,7 +8141,7 @@
                 <a:schemeClr val="accent1"/>
               </a:buClr>
               <a:buSzPts val="2910"/>
-              <a:buFont typeface="Wingdings" charset="0"/>
+              <a:buFont typeface="Wingdings" pitchFamily="0" charset="0"/>
               <a:buChar char="§"/>
               <a:tabLst/>
               <a:defRPr lang="de-de" sz="2800" b="0" i="0" baseline="0">
@@ -8636,7 +8172,7 @@
               <a:lnSpc>
                 <a:spcPct val="150000"/>
               </a:lnSpc>
-              <a:buFont typeface="Wingdings" charset="0"/>
+              <a:buFont typeface="Wingdings" pitchFamily="0" charset="0"/>
               <a:buChar char="§"/>
               <a:defRPr lang="de-de" sz="2000" b="0" i="0" baseline="0">
                 <a:solidFill>
@@ -8668,29 +8204,81 @@
           </a:lstStyle>
           <a:p>
             <a:pPr>
-              <a:defRPr lang="de-de" b="0"/>
-            </a:pPr>
-            <a:r>
-              <a:rPr lang="en-US" dirty="0"/>
-              <a:t>.Net framework</a:t>
-            </a:r>
-          </a:p>
-          <a:p>
-            <a:pPr>
-              <a:defRPr lang="de-de" b="0"/>
-            </a:pPr>
-            <a:r>
-              <a:rPr lang="en-US" dirty="0"/>
-              <a:t>Xamarin Forms</a:t>
-            </a:r>
-          </a:p>
-          <a:p>
-            <a:pPr>
-              <a:defRPr lang="de-de" b="0"/>
-            </a:pPr>
-            <a:r>
-              <a:rPr lang="en-US" dirty="0"/>
-              <a:t>TizenFX</a:t>
+              <a:defRPr lang="de-de"/>
+            </a:pPr>
+            <a:r>
+              <a:t>Native applications </a:t>
+            </a:r>
+            <a:r>
+              <a:rPr lang="en-gb"/>
+              <a:t>–</a:t>
+            </a:r>
+            <a:r>
+              <a:t> C/C++ based</a:t>
+            </a:r>
+          </a:p>
+          <a:p>
+            <a:pPr lvl="1">
+              <a:defRPr lang="de-de"/>
+            </a:pPr>
+            <a:r>
+              <a:t>Advantages</a:t>
+            </a:r>
+          </a:p>
+          <a:p>
+            <a:pPr lvl="1">
+              <a:defRPr lang="de-de"/>
+            </a:pPr>
+            <a:r>
+              <a:t>Disadvantages</a:t>
+            </a:r>
+          </a:p>
+          <a:p>
+            <a:pPr>
+              <a:defRPr lang="de-de"/>
+            </a:pPr>
+            <a:r>
+              <a:t>Web applications – HTML5 based</a:t>
+            </a:r>
+          </a:p>
+          <a:p>
+            <a:pPr lvl="1">
+              <a:defRPr lang="de-de"/>
+            </a:pPr>
+            <a:r>
+              <a:t>Advantages</a:t>
+            </a:r>
+          </a:p>
+          <a:p>
+            <a:pPr lvl="1">
+              <a:defRPr lang="de-de"/>
+            </a:pPr>
+            <a:r>
+              <a:t>Disadvantages</a:t>
+            </a:r>
+          </a:p>
+          <a:p>
+            <a:pPr>
+              <a:defRPr lang="de-de"/>
+            </a:pPr>
+            <a:r>
+              <a:t>.Net applications – C# based</a:t>
+            </a:r>
+          </a:p>
+          <a:p>
+            <a:pPr lvl="1">
+              <a:defRPr lang="de-de"/>
+            </a:pPr>
+            <a:r>
+              <a:t>Advantages</a:t>
+            </a:r>
+          </a:p>
+          <a:p>
+            <a:pPr lvl="1">
+              <a:defRPr lang="de-de"/>
+            </a:pPr>
+            <a:r>
+              <a:t>Disadvantages</a:t>
             </a:r>
           </a:p>
         </p:txBody>
@@ -8702,7 +8290,7 @@
             <a:spLocks noGrp="1" noChangeArrowheads="1"/>
             <a:extLst>
               <a:ext uri="smNativeData">
-                <pr:smNativeData xmlns="" xmlns:p14="http://schemas.microsoft.com/office/powerpoint/2010/main" xmlns:pr="smNativeData" val="SMDATA_13_ec9PYBMAAAAlAAAAZAAAAA0AAAAAAAAAAAAAAAAAAAAAAAAAAAAAAAAAAAAAAAAAAAEAAABQAAAAAAAAAAAA4D8AAAAAAADgPwAAAAAAAOA/AAAAAAAA4D8AAAAAAADgPwAAAAAAAOA/AAAAAAAA4D8AAAAAAADgPwAAAAAAAOA/AAAAAAAA4D8CAAAAjAAAAAAAAAAAAAAAT4G9DP///wgAAAAAAAAAAAAAAAAAAAAAAAAAAAAAAAAAAAAAZAAAAAEAAABAAAAAAAAAAAAAAAAAAAAAAAAAAAAAAAAAAAAAAAAAAAAAAAAAAAAAAAAAAAAAAAAAAAAAAAAAAAAAAAAAAAAAAAAAAAAAAAAAAAAAAAAAAAAAAAAAAAAAFAAAADwAAAAAAAAAAAAAAAAAAAkUAAAAAQAAABQAAAAUAAAAFAAAAAEAAAAAAAAAZAAAAGQAAAAAAAAAZAAAAGQAAAAVAAAAYAAAAAAAAAAAAAAADwAAACADAAAAAAAAAAAAAAEAAACgMgAAVgcAAKr4//8BAAAAf39/AAEAAABkAAAAAAAAABQAAABAHwAAAAAAACYAAAAAAAAAwOD//wAAAAAmAAAAZAAAABYAAABMAAAAAAAAAAAAAAAEAAAAAAAAAAEAAADu7OEKAAAAACgAAAAoAAAAZAAAAGQAAAAAAAAAzMzMAAAAAABQAAAAUAAAAGQAAABkAAAAAAAAABcAAAAUAAAAAAAAAAAAAAD/fwAA/38AAAAAAAAJAAAABAAAAAAAAAAMAAAAEAAAAAAAAAAAAAAAAAAAAAAAAAAeAAAAaAAAAAAAAAAAAAAAAAAAAAAAAAAAAAAAECcAABAnAAAAAAAAAAAAAAAAAAAAAAAAAAAAAAAAAAAAAAAAAAAAABQAAAAAAAAAwMD/AAAAAABkAAAAMgAAAAAAAABkAAAAAAAAAH9/fwAKAAAAHwAAAFQAAABPgb0F////AQAAAAAAAAAAAAAAAAAAAAAAAAAAAAAAAAAAAAAAAAAAAAAAAn9/fwDu7OEDzMzMAMDA/wB/f38AAAAAAAAAAAAAAAAAAAAAAAAAAAAhAAAAGAAAABQAAADqAQAA4DgAAPAKAACYOgAAEAAAACYAAAAIAAAAAQAAAAAAAAA="/>
+                <pr:smNativeData xmlns:pr="smNativeData" val="SMDATA_13_eIVQYBMAAAAlAAAAZAAAAA0AAAAAAAAAAAAAAAAAAAAAAAAAAAAAAAAAAAAAAAAAAAEAAABQAAAAAAAAAAAA4D8AAAAAAADgPwAAAAAAAOA/AAAAAAAA4D8AAAAAAADgPwAAAAAAAOA/AAAAAAAA4D8AAAAAAADgPwAAAAAAAOA/AAAAAAAA4D8CAAAAjAAAAAAAAAAAAAAA////AP///wgAAAAAAAAAAAAAAAAAAAAAAAAAAAAAAAAAAAAAeAAAAAEAAABAAAAAAAAAAAAAAABaAAAAAAAAAAAAAAAAAAAAAAAAAAAAAAAAAAAAAAAAAAAAAAAAAAAAAAAAAAAAAAAAAAAAAAAAAAAAAAAAAAAAAAAAAAAAAAAAAAAAFAAAADwAAAAAAAAAAAAAAAAAAAAPAAAAAQAAACMAAAAjAAAAIwAAAB4AAAAAAAAAZAAAAGQAAAAAAAAAZAAAAGQAAAAVAAAAYAAAAAAAAAAAAAAADwAAACADAAAAAAAAAAAAAAEAAACgMgAAVgcAAKr4//8BAAAAf39/AAEAAABkAAAAAAAAABQAAABAHwAAAAAAACYAAAAAAAAAwOD//wAAAAAmAAAAZAAAABYAAABMAAAAAAAAAAAAAAAEAAAAAAAAAAEAAADu7OEKAAAAACgAAAAoAAAAZAAAAGQAAAAAAAAAzMzMAAAAAABQAAAAUAAAAGQAAABkAAAAAAAAABcAAAAUAAAAAAAAAAAAAAD/fwAA/38AAAAAAAAJAAAABAAAAAAAAAAMAAAAEAAAAAAAAAAAAAAAAAAAAAAAAAAeAAAAaAAAAAAAAAAAAAAAAAAAAAAAAAAAAAAAECcAABAnAAAAAAAAAAAAAAAAAAAAAAAAAAAAAAAAAAAAAAAAAAAAABQAAAAAAAAAwMD/AAAAAABkAAAAMgAAAAAAAABkAAAAAAAAAH9/fwAKAAAAHwAAAFQAAAD///8A////AQAAAAAAAAAAAAAAAAAAAAAAAAAAAAAAAAAAAAAAAAAAAAAAAH9/fwDu7OEDzMzMAMDA/wB/f38AAAAAAAAAAAAAAAAAAAAAAAAAAAAhAAAAGAAAABQAAADqAQAA4DgAAPAKAACYOgAAEAAAACYAAAAIAAAAAAAAAAAAAAA="/>
               </a:ext>
             </a:extLst>
           </p:cNvSpPr>
@@ -8710,70 +8298,100 @@
             <p:ph type="dt" sz="half" idx="2"/>
           </p:nvPr>
         </p:nvSpPr>
+        <p:spPr/>
+        <p:txBody>
+          <a:bodyPr/>
+          <a:lstStyle/>
+          <a:p>
+            <a:pPr>
+              <a:defRPr lang="de-de"/>
+            </a:pPr>
+            <a:r>
+              <a:t>26.03.2021</a:t>
+            </a:r>
+          </a:p>
+        </p:txBody>
+      </p:sp>
+      <p:sp>
+        <p:nvSpPr>
+          <p:cNvPr id="5" name="Espace réservé du numéro de diapositive 5"/>
+          <p:cNvSpPr>
+            <a:spLocks noGrp="1" noChangeArrowheads="1"/>
+            <a:extLst>
+              <a:ext uri="smNativeData">
+                <pr:smNativeData xmlns:pr="smNativeData" val="SMDATA_13_eIVQYBMAAAAlAAAAZAAAAA0AAAAAAAAAAAAAAAAAAAAAAAAAAAAAAAAAAAAAAAAAAAEAAABQAAAAAAAAAAAA4D8AAAAAAADgPwAAAAAAAOA/AAAAAAAA4D8AAAAAAADgPwAAAAAAAOA/AAAAAAAA4D8AAAAAAADgPwAAAAAAAOA/AAAAAAAA4D8CAAAAjAAAAAAAAAAAAAAA////AP///wgAAAAAAAAAAAAAAAAAAAAAAAAAAAAAAAAAAAAAeAAAAAEAAABAAAAAAAAAAAAAAABaAAAAAAAAAAAAAAAAAAAAAAAAAAAAAAAAAAAAAAAAAAAAAAAAAAAAAAAAAAAAAAAAAAAAAAAAAAAAAAAAAAAAAAAAAAAAAAAAAAAAFAAAADwAAAAAAAAAAAAAAAAAAAAPAAAAAQAAACMAAAAjAAAAIwAAAB4AAAAAAAAAZAAAAGQAAAAAAAAAZAAAAGQAAAAVAAAAYAAAAAAAAAAAAAAADwAAACADAAAAAAAAAAAAAAEAAACgMgAAVgcAAKr4//8BAAAAf39/AAEAAABkAAAAAAAAABQAAABAHwAAAAAAACYAAAAAAAAAwOD//wAAAAAmAAAAZAAAABYAAABMAAAAAAAAAAAAAAAEAAAAAAAAAAEAAADu7OEKAAAAACgAAAAoAAAAZAAAAGQAAAAAAAAAzMzMAAAAAABQAAAAUAAAAGQAAABkAAAAAAAAABcAAAAUAAAAAAAAAAAAAAD/fwAA/38AAAAAAAAJAAAABAAAAAAAAAAMAAAAEAAAAAAAAAAAAAAAAAAAAAAAAAAeAAAAaAAAAAAAAAAAAAAAAAAAAAAAAAAAAAAAECcAABAnAAAAAAAAAAAAAAAAAAAAAAAAAAAAAAAAAAAAAAAAAAAAABQAAAAAAAAAwMD/AAAAAABkAAAAMgAAAAAAAABkAAAAAAAAAH9/fwAKAAAAHwAAAFQAAAD///8A////AQAAAAAAAAAAAAAAAAAAAAAAAAAAAAAAAAAAAAAAAAAAAAAAAH9/fwDu7OEDzMzMAMDA/wB/f38AAAAAAAAAAAAAAAAAAAAAAAAAAAAhAAAAGAAAABQAAADQSAAAGDkAABZOAACYOgAAEAAAACYAAAAIAAAAAAAAAAAAAAA="/>
+              </a:ext>
+            </a:extLst>
+          </p:cNvSpPr>
+          <p:nvPr>
+            <p:ph type="sldNum" sz="quarter" idx="4"/>
+          </p:nvPr>
+        </p:nvSpPr>
+        <p:spPr/>
+        <p:txBody>
+          <a:bodyPr/>
+          <a:lstStyle/>
+          <a:p>
+            <a:pPr>
+              <a:defRPr lang="de-de"/>
+            </a:pPr>
+            <a:fld id="{7D454570-3E90-10B3-DEFD-C8E60BB3289D}" type="slidenum">
+              <a:t>5</a:t>
+            </a:fld>
+          </a:p>
+        </p:txBody>
+      </p:sp>
+      <p:pic>
+        <p:nvPicPr>
+          <p:cNvPr id="6" name="Picture 2"/>
+          <p:cNvPicPr>
+            <a:picLocks noChangeAspect="1"/>
+            <a:extLst>
+              <a:ext uri="smNativeData">
+                <pr:smNativeData xmlns:pr="smNativeData" val="SMDATA_15_eIVQYBMAAAAlAAAAEQAAAC0AAAAAkAAAAEgAAACQAAAASAAAAAAAAAAAAAAAAAAAAAEAAABQAAAAAAAAAAAA4D8AAAAAAADgPwAAAAAAAOA/AAAAAAAA4D8AAAAAAADgPwAAAAAAAOA/AAAAAAAA4D8AAAAAAADgPwAAAAAAAOA/AAAAAAAA4D8CAAAAjAAAAAAAAAAAAAAAT4G9DP///wgAAAAAAAAAAAAAAAAAAAAAAAAAAAAAAAAAAAAAZAAAAAEAAABAAAAAAAAAAAAAAAAAAAAAAAAAAAAAAAAAAAAAAAAAAAAAAAAAAAAAAAAAAAAAAAAAAAAAAAAAAAAAAAAAAAAAAAAAAAAAAAAAAAAAAAAAAAAAAAAAAAAAFAAAADwAAAAAAAAAAAAAAAAAAAkUAAAAAQAAABQAAAAUAAAAFAAAAAEAAAAAAAAAZAAAAGQAAAAAAAAAZAAAAGQAAAAVAAAAYAAAAAAAAAAAAAAADwAAACADAAAAAAAAAAAAAAEAAACgMgAAVgcAAKr4//8BAAAAf39/AAEAAABkAAAAAAAAABQAAABAHwAAAAAAACYAAAAAAAAAwOD//wAAAAAmAAAAZAAAABYAAABMAAAAAAAAAAAAAAAEAAAAAAAAAAEAAADu7OEKAAAAACgAAAAoAAAAZAAAAGQAAAAAAAAAzMzMAAAAAABQAAAAUAAAAGQAAABkAAAAAAAAAAcAAAA4AAAAAAAAAAAAAAAAAAAA////AAAAAAAAAAAAAAAAAAAAAAAAAAAAAAAAAAAAAABkAAAAZAAAAAAAAAAjAAAABAAAAGQAAAAXAAAAFAAAAAAAAAAAAAAA/38AAP9/AAAAAAAACQAAAAQAAAAAAAAADAAAABAAAAAAAAAAAAAAAAAAAAAAAAAAHgAAAGgAAAAAAAAAAAAAAAAAAAAAAAAAAAAAABAnAAAQJwAAAAAAAAAAAAAAAAAAAAAAAAAAAAAAAAAAAAAAAAAAAAAUAAAAAAAAAMDA/wAAAAAAZAAAADIAAAAAAAAAZAAAAAAAAAB/f38ACgAAAB8AAABUAAAAT4G9Bf///wEAAAAAAAAAAAAAAAAAAAAAAAAAAAAAAAAAAAAAAAAAAAAAAAJ/f38A7uzhA8zMzADAwP8Af39/AAAAAAAAAAAAAAAAAP///wAAAAAAIQAAABgAAAAUAAAAuD4AAKUSAABzSwAAYB8AABAAAAAmAAAACAAAAP//////////"/>
+              </a:ext>
+            </a:extLst>
+          </p:cNvPicPr>
+          <p:nvPr/>
+        </p:nvPicPr>
+        <p:blipFill>
+          <a:blip r:embed="rId2"/>
+          <a:stretch>
+            <a:fillRect/>
+          </a:stretch>
+        </p:blipFill>
         <p:spPr>
           <a:xfrm>
-            <a:off x="311150" y="9245600"/>
-            <a:ext cx="1466850" cy="279400"/>
+            <a:off x="10195560" y="3030855"/>
+            <a:ext cx="2069465" cy="2069465"/>
           </a:xfrm>
+          <a:prstGeom prst="rect">
+            <a:avLst/>
+          </a:prstGeom>
+          <a:noFill/>
+          <a:ln>
+            <a:noFill/>
+          </a:ln>
+          <a:effectLst/>
         </p:spPr>
-        <p:txBody>
-          <a:bodyPr/>
-          <a:lstStyle/>
-          <a:p>
-            <a:pPr>
-              <a:defRPr lang="de-de"/>
-            </a:pPr>
-            <a:r>
-              <a:t>26.03.2021</a:t>
-            </a:r>
-          </a:p>
-        </p:txBody>
-      </p:sp>
-      <p:sp>
-        <p:nvSpPr>
-          <p:cNvPr id="5" name="Espace réservé du numéro de diapositive 5"/>
-          <p:cNvSpPr>
-            <a:spLocks noGrp="1" noChangeArrowheads="1"/>
-            <a:extLst>
-              <a:ext uri="smNativeData">
-                <pr:smNativeData xmlns="" xmlns:p14="http://schemas.microsoft.com/office/powerpoint/2010/main" xmlns:pr="smNativeData" val="SMDATA_13_ec9PYBMAAAAlAAAAZAAAAA0AAAAAAAAAAAAAAAAAAAAAAAAAAAAAAAAAAAAAAAAAAAEAAABQAAAAAAAAAAAA4D8AAAAAAADgPwAAAAAAAOA/AAAAAAAA4D8AAAAAAADgPwAAAAAAAOA/AAAAAAAA4D8AAAAAAADgPwAAAAAAAOA/AAAAAAAA4D8CAAAAjAAAAAAAAAAAAAAAT4G9DP///wgAAAAAAAAAAAAAAAAAAAAAAAAAAAAAAAAAAAAAZAAAAAEAAABAAAAAAAAAAAAAAAAAAAAAAAAAAAAAAAAAAAAAAAAAAAAAAAAAAAAAAAAAAAAAAAAAAAAAAAAAAAAAAAAAAAAAAAAAAAAAAAAAAAAAAAAAAAAAAAAAAAAAFAAAADwAAAAAAAAAAAAAAAAAAAkUAAAAAQAAABQAAAAUAAAAFAAAAAEAAAAAAAAAZAAAAGQAAAAAAAAAZAAAAGQAAAAVAAAAYAAAAAAAAAAAAAAADwAAACADAAAAAAAAAAAAAAEAAACgMgAAVgcAAKr4//8BAAAAf39/AAEAAABkAAAAAAAAABQAAABAHwAAAAAAACYAAAAAAAAAwOD//wAAAAAmAAAAZAAAABYAAABMAAAAAAAAAAAAAAAEAAAAAAAAAAEAAADu7OEKAAAAACgAAAAoAAAAZAAAAGQAAAAAAAAAzMzMAAAAAABQAAAAUAAAAGQAAABkAAAAAAAAABcAAAAUAAAAAAAAAAAAAAD/fwAA/38AAAAAAAAJAAAABAAAAAAAAAAMAAAAEAAAAAAAAAAAAAAAAAAAAAAAAAAeAAAAaAAAAAAAAAAAAAAAAAAAAAAAAAAAAAAAECcAABAnAAAAAAAAAAAAAAAAAAAAAAAAAAAAAAAAAAAAAAAAAAAAABQAAAAAAAAAwMD/AAAAAABkAAAAMgAAAAAAAABkAAAAAAAAAH9/fwAKAAAAHwAAAFQAAABPgb0F////AQAAAAAAAAAAAAAAAAAAAAAAAAAAAAAAAAAAAAAAAAAAAAAAAn9/fwDu7OEDzMzMAMDA/wB/f38AAAAAAAAAAAAAAAAAAAAAAAAAAAAhAAAAGAAAABQAAADQSAAAGDkAABZOAACYOgAAEAAAACYAAAAIAAAAAAAAAAAAAAA="/>
-              </a:ext>
-            </a:extLst>
-          </p:cNvSpPr>
-          <p:nvPr>
-            <p:ph type="sldNum" sz="quarter" idx="4"/>
-          </p:nvPr>
-        </p:nvSpPr>
-        <p:spPr/>
-        <p:txBody>
-          <a:bodyPr/>
-          <a:lstStyle/>
-          <a:p>
-            <a:pPr>
-              <a:defRPr lang="de-de"/>
-            </a:pPr>
-            <a:fld id="{5E2C5BB6-F8B3-79AD-FD94-0EF815DA0B5B}" type="slidenum">
-              <a:t>6</a:t>
-            </a:fld>
-            <a:endParaRPr/>
-          </a:p>
-        </p:txBody>
-      </p:sp>
+      </p:pic>
     </p:spTree>
-    <p:extLst>
-      <p:ext uri="{BB962C8B-B14F-4D97-AF65-F5344CB8AC3E}">
-        <p14:creationId xmlns:p14="http://schemas.microsoft.com/office/powerpoint/2010/main" val="2589733751"/>
-      </p:ext>
-    </p:extLst>
   </p:cSld>
   <p:clrMapOvr>
     <a:masterClrMapping/>
   </p:clrMapOvr>
+  <p:timing>
+    <p:tnLst>
+      <p:par>
+        <p:cTn id="1" dur="indefinite" restart="never" nodeType="tmRoot"/>
+      </p:par>
+    </p:tnLst>
+  </p:timing>
 </p:sld>
 </file>
 
-<file path=ppt/slides/slide7.xml><?xml version="1.0" encoding="utf-8"?>
-<p:sld xmlns:a="http://schemas.openxmlformats.org/drawingml/2006/main" xmlns:r="http://schemas.openxmlformats.org/officeDocument/2006/relationships" xmlns:p="http://schemas.openxmlformats.org/presentationml/2006/main">
+<file path=ppt/slides/slide6.xml><?xml version="1.0" encoding="utf-8"?>
+<p:sld xmlns:p="http://schemas.openxmlformats.org/presentationml/2006/main" xmlns:p14="http://schemas.microsoft.com/office/powerpoint/2010/main" xmlns:r="http://schemas.openxmlformats.org/officeDocument/2006/relationships" xmlns:a="http://schemas.openxmlformats.org/drawingml/2006/main">
   <p:cSld>
     <p:spTree>
       <p:nvGrpSpPr>
@@ -8796,7 +8414,7 @@
             <a:spLocks noGrp="1" noChangeArrowheads="1"/>
             <a:extLst>
               <a:ext uri="smNativeData">
-                <pr:smNativeData xmlns:pr="smNativeData" xmlns:p14="http://schemas.microsoft.com/office/powerpoint/2010/main" xmlns="" val="SMDATA_13_ec9PYBMAAAAlAAAAZAAAAE0AAAAAAAAAAAAAAAAAAAAAAAAAAAAAAAAAAAAAAAAAAAEAAABQAAAAAAAAAAAA4D8AAAAAAADgPwAAAAAAAOA/AAAAAAAA4D8AAAAAAADgPwAAAAAAAOA/AAAAAAAA4D8AAAAAAADgPwAAAAAAAOA/AAAAAAAA4D8CAAAAjAAAAAAAAAAAAAAAT4G9DP///wgAAAAAAAAAAAAAAAAAAAAAAAAAAAAAAAAAAAAAZAAAAAEAAABAAAAAAAAAAAAAAAAAAAAAAAAAAAAAAAAAAAAAAAAAAAAAAAAAAAAAAAAAAAAAAAAAAAAAAAAAAAAAAAAAAAAAAAAAAAAAAAAAAAAAAAAAAAAAAAAAAAAAFAAAADwAAAAAAAAAAAAAAAAAAAkUAAAAAQAAABQAAAAUAAAAFAAAAAEAAAAAAAAAZAAAAGQAAAAAAAAAZAAAAGQAAAAVAAAAYAAAAAAAAAAAAAAADwAAACADAAAAAAAAAAAAAAEAAACgMgAAVgcAAKr4//8BAAAAf39/AAEAAABkAAAAAAAAABQAAABAHwAAAAAAACYAAAAAAAAAwOD//wAAAAAmAAAAZAAAABYAAABMAAAAAAAAAAAAAAAEAAAAAAAAAAEAAADu7OEKAAAAACgAAAAoAAAAZAAAAGQAAAAAAAAAzMzMAAAAAABQAAAAUAAAAGQAAABkAAAAAAAAABcAAAAUAAAAAAAAAAAAAAD/fwAA/38AAAAAAAAJAAAABAAAABoEAAAMAAAAEAAAAAAAAAAAAAAAAAAAAAAAAAAeAAAAaAAAAAAAAAAAAAAAAAAAAAAAAAAAAAAAECcAABAnAAAAAAAAAAAAAAAAAAAAAAAAAAAAAAAAAAAAAAAAAAAAABQAAAAAAAAAwMD/AAAAAABkAAAAMgAAAAAAAABkAAAAAAAAAH9/fwAKAAAAHwAAAFQAAABPgb0F////AQAAAAAAAAAAAAAAAAAAAAAAAAAAAAAAAAAAAAAAAAAAAAAAAn9/fwDu7OEDzMzMAMDA/wB/f38AAAAAAAAAAAAAAAAAAAAAAAAAAAAhAAAAGAAAABQAAADIBQAAiQsAAHpIAACpDwAAACAAACYAAAAIAAAAAQAAAAAAAAA="/>
+                <pr:smNativeData xmlns:pr="smNativeData" val="SMDATA_13_eIVQYBMAAAAlAAAAZAAAAA0AAAAAAAAAAAAAAAAAAAAAAAAAAAAAAAAAAAAAAAAAAAEAAABQAAAAAAAAAAAA4D8AAAAAAADgPwAAAAAAAOA/AAAAAAAA4D8AAAAAAADgPwAAAAAAAOA/AAAAAAAA4D8AAAAAAADgPwAAAAAAAOA/AAAAAAAA4D8CAAAAjAAAAAAAAAAAAAAA////AP///wgAAAAAAAAAAAAAAAAAAAAAAAAAAAAAAAAAAAAAeAAAAAEAAABAAAAAAAAAAAAAAABaAAAAAAAAAAAAAAAAAAAAAAAAAAAAAAAAAAAAAAAAAAAAAAAAAAAAAAAAAAAAAAAAAAAAAAAAAAAAAAAAAAAAAAAAAAAAAAAAAAAAFAAAADwAAAAAAAAAAAAAAAAAAAAPAAAAAQAAACMAAAAjAAAAIwAAAB4AAAAAAAAAZAAAAGQAAAAAAAAAZAAAAGQAAAAVAAAAYAAAAAAAAAAAAAAADwAAACADAAAAAAAAAAAAAAEAAACgMgAAVgcAAKr4//8BAAAAf39/AAEAAABkAAAAAAAAABQAAABAHwAAAAAAACYAAAAAAAAAwOD//wAAAAAmAAAAZAAAABYAAABMAAAAAAAAAAAAAAAEAAAAAAAAAAEAAADu7OEKAAAAACgAAAAoAAAAZAAAAGQAAAAAAAAAzMzMAAAAAABQAAAAUAAAAGQAAABkAAAAAAAAABcAAAAUAAAAAAAAAAAAAAD/fwAA/38AAAAAAAAJAAAABAAAAP///wAMAAAAEAAAAAAAAAAAAAAAAAAAAAAAAAAeAAAAaAAAAAAAAAAAAAAAAAAAAAAAAAAAAAAAECcAABAnAAAAAAAAAAAAAAAAAAAAAAAAAAAAAAAAAAAAAAAAAAAAABQAAAAAAAAAwMD/AAAAAABkAAAAMgAAAAAAAABkAAAAAAAAAH9/fwAKAAAAHwAAAFQAAAD///8A////AQAAAAAAAAAAAAAAAAAAAAAAAAAAAAAAAAAAAAAAAAAAAAAAAH9/fwDu7OEDzMzMAMDA/wB/f38AAAAAAAAAAAAAAAAAAAAAAAAAAAAhAAAAGAAAABQAAADIBQAAiQsAAHpIAACpDwAAAAAAACYAAAAIAAAAAQAAAAAAAAA="/>
               </a:ext>
             </a:extLst>
           </p:cNvSpPr>
@@ -8818,8 +8436,12 @@
               <a:defRPr lang="en-gb"/>
             </a:pPr>
             <a:r>
-              <a:t>Related work</a:t>
-            </a:r>
+              <a:t>Foundations – .NET applications</a:t>
+            </a:r>
+            <a:br/>
+            <a:br/>
+            <a:br/>
+            <a:br/>
           </a:p>
         </p:txBody>
       </p:sp>
@@ -8830,7 +8452,7 @@
             <a:spLocks noGrp="1" noChangeArrowheads="1"/>
             <a:extLst>
               <a:ext uri="smNativeData">
-                <pr:smNativeData xmlns:pr="smNativeData" xmlns:p14="http://schemas.microsoft.com/office/powerpoint/2010/main" xmlns="" val="SMDATA_13_ec9PYBMAAAAlAAAAZAAAAE0AAAAAAAAAAAAAAAAAAAAAAAAAAAAAAAAAAAAAAAAAAAEAAABQAAAAAAAAAAAA4D8AAAAAAADgPwAAAAAAAOA/AAAAAAAA4D8AAAAAAADgPwAAAAAAAOA/AAAAAAAA4D8AAAAAAADgPwAAAAAAAOA/AAAAAAAA4D8CAAAAjAAAAAAAAAAAAAAAT4G9DP///wgAAAAAAAAAAAAAAAAAAAAAAAAAAAAAAAAAAAAAZAAAAAEAAABAAAAAAAAAAAAAAAAAAAAAAAAAAAAAAAAAAAAAAAAAAAAAAAAAAAAAAAAAAAAAAAAAAAAAAAAAAAAAAAAAAAAAAAAAAAAAAAAAAAAAAAAAAAAAAAAAAAAAFAAAADwAAAAAAAAAAAAAAAAAAAkUAAAAAQAAABQAAAAUAAAAFAAAAAEAAAAAAAAAZAAAAGQAAAAAAAAAZAAAAGQAAAAVAAAAYAAAAAAAAAAAAAAADwAAACADAAAAAAAAAAAAAAEAAACgMgAAVgcAAKr4//8BAAAAf39/AAEAAABkAAAAAAAAABQAAABAHwAAAAAAACYAAAAAAAAAwOD//wAAAAAmAAAAZAAAABYAAABMAAAAAAAAAAAAAAAEAAAAAAAAAAEAAADu7OEKAAAAACgAAAAoAAAAZAAAAGQAAAAAAAAAzMzMAAAAAABQAAAAUAAAAGQAAABkAAAAAAAAABcAAAAUAAAAAAAAAAAAAAD/fwAA/38AAAAAAAAJAAAABAAAAAAAAAAMAAAAEAAAAAAAAAAAAAAAAAAAAAAAAAAeAAAAaAAAAAAAAAAAAAAAAAAAAAAAAAAAAAAAECcAABAnAAAAAAAAAAAAAAAAAAAAAAAAAAAAAAAAAAAAAAAAAAAAABQAAAAAAAAAwMD/AAAAAABkAAAAMgAAAAAAAABkAAAAAAAAAH9/fwAKAAAAHwAAAFQAAABPgb0F////AQAAAAAAAAAAAAAAAAAAAAAAAAAAAAAAAAAAAAAAAAAAAAAAAn9/fwDu7OEDzMzMAMDA/wB/f38AAAAAAAAAAAAAAAAAAAAAAAAAAAAhAAAAGAAAABQAAADIBQAAwBIAAHpIAACYNwAAACAAACYAAAAIAAAAAYAAAAAAAAA="/>
+                <pr:smNativeData xmlns:pr="smNativeData" val="SMDATA_13_eIVQYBMAAAAlAAAAZAAAAA0AAAAAAAAAAAAAAAAAAAAAAAAAAAAAAAAAAAAAAAAAAAEAAABQAAAAAAAAAAAA4D8AAAAAAADgPwAAAAAAAOA/AAAAAAAA4D8AAAAAAADgPwAAAAAAAOA/AAAAAAAA4D8AAAAAAADgPwAAAAAAAOA/AAAAAAAA4D8CAAAAjAAAAAAAAAAAAAAA////AP///wgAAAAAAAAAAAAAAAAAAAAAAAAAAAAAAAAAAAAAeAAAAAEAAABAAAAAAAAAAAAAAABaAAAAAAAAAAAAAAAAAAAAAAAAAAAAAAAAAAAAAAAAAAAAAAAAAAAAAAAAAAAAAAAAAAAAAAAAAAAAAAAAAAAAAAAAAAAAAAAAAAAAFAAAADwAAAAAAAAAAAAAAAAAAAAPAAAAAQAAACMAAAAjAAAAIwAAAB4AAAAAAAAAZAAAAGQAAAAAAAAAZAAAAGQAAAAVAAAAYAAAAAAAAAAAAAAADwAAACADAAAAAAAAAAAAAAEAAACgMgAAVgcAAKr4//8BAAAAf39/AAEAAABkAAAAAAAAABQAAABAHwAAAAAAACYAAAAAAAAAwOD//wAAAAAmAAAAZAAAABYAAABMAAAAAAAAAAAAAAAEAAAAAAAAAAEAAADu7OEKAAAAACgAAAAoAAAAZAAAAGQAAAAAAAAAzMzMAAAAAABQAAAAUAAAAGQAAABkAAAAAAAAABcAAAAUAAAAAAAAAAAAAAD/fwAA/38AAAAAAAAJAAAABAAAAEEAQQAMAAAAEAAAAAAAAAAAAAAAAAAAAAAAAAAeAAAAaAAAAAAAAAAAAAAAAAAAAAAAAAAAAAAAECcAABAnAAAAAAAAAAAAAAAAAAAAAAAAAAAAAAAAAAAAAAAAAAAAABQAAAAAAAAAwMD/AAAAAABkAAAAMgAAAAAAAABkAAAAAAAAAH9/fwAKAAAAHwAAAFQAAAD///8A////AQAAAAAAAAAAAAAAAAAAAAAAAAAAAAAAAAAAAAAAAAAAAAAAAH9/fwDu7OEDzMzMAMDA/wB/f38AAAAAAAAAAAAAAAAAAAAAAAAAAAAhAAAAGAAAABQAAADKBQAAyRIAAHFIAADNKwAAAAAAACYAAAAIAAAAAYAAAAAAAAA="/>
               </a:ext>
             </a:extLst>
           </p:cNvSpPr>
@@ -8840,8 +8462,8 @@
         </p:nvSpPr>
         <p:spPr>
           <a:xfrm>
-            <a:off x="939800" y="3048000"/>
-            <a:ext cx="10841990" cy="5989320"/>
+            <a:off x="941070" y="3053715"/>
+            <a:ext cx="10835005" cy="4066540"/>
           </a:xfrm>
         </p:spPr>
         <p:txBody>
@@ -8858,7 +8480,7 @@
                 <a:schemeClr val="accent1"/>
               </a:buClr>
               <a:buSzPts val="2910"/>
-              <a:buFont typeface="Wingdings" charset="0"/>
+              <a:buFont typeface="Wingdings" pitchFamily="0" charset="0"/>
               <a:buChar char="§"/>
               <a:tabLst/>
               <a:defRPr lang="de-de" sz="2800" b="0" i="0" baseline="0">
@@ -8889,7 +8511,7 @@
               <a:lnSpc>
                 <a:spcPct val="150000"/>
               </a:lnSpc>
-              <a:buFont typeface="Wingdings" charset="0"/>
+              <a:buFont typeface="Wingdings" pitchFamily="0" charset="0"/>
               <a:buChar char="§"/>
               <a:defRPr lang="de-de" sz="2000" b="0" i="0" baseline="0">
                 <a:solidFill>
@@ -8921,85 +8543,33 @@
           </a:lstStyle>
           <a:p>
             <a:pPr>
-              <a:defRPr lang="de-de" b="0"/>
-            </a:pPr>
-            <a:r>
-              <a:t>Users have wearable privacy concerns [1], [2]</a:t>
-            </a:r>
-          </a:p>
-          <a:p>
-            <a:pPr lvl="1">
-              <a:defRPr lang="de-de" b="0"/>
-            </a:pPr>
-            <a:r>
-              <a:t>But also misunderstandings and false beliefs [8]</a:t>
-            </a:r>
-          </a:p>
-          <a:p>
-            <a:pPr lvl="1">
-              <a:buChar char="→"/>
-              <a:defRPr lang="de-de" b="0"/>
-            </a:pPr>
-            <a:r>
-              <a:t> Important to raise awareness</a:t>
-            </a:r>
-          </a:p>
-          <a:p>
-            <a:pPr>
-              <a:defRPr lang="de-de"/>
-            </a:pPr>
-            <a:r>
-              <a:rPr lang="en-gb"/>
-              <a:t>Various apps giving context-dependent feedback</a:t>
-            </a:r>
-          </a:p>
-          <a:p>
-            <a:pPr lvl="1">
-              <a:defRPr lang="en-gb"/>
-            </a:pPr>
-            <a:r>
-              <a:t>Haptic feedback for pedestrian navigation [3]</a:t>
-            </a:r>
-          </a:p>
-          <a:p>
-            <a:pPr lvl="1">
-              <a:defRPr lang="en-gb"/>
-            </a:pPr>
-            <a:r>
-              <a:t>Visual and haptic feedback to assist deaf people [4]</a:t>
-            </a:r>
-          </a:p>
-          <a:p>
-            <a:pPr lvl="1">
-              <a:defRPr lang="en-gb"/>
-            </a:pPr>
-            <a:r>
-              <a:t>Visual feedback to assist rescuers during CPR [5]</a:t>
-            </a:r>
-          </a:p>
-          <a:p>
-            <a:pPr>
-              <a:defRPr lang="en-gb"/>
-            </a:pPr>
-            <a:r>
-              <a:t>Both together?</a:t>
-            </a:r>
-          </a:p>
-          <a:p>
-            <a:pPr lvl="1">
-              <a:defRPr lang="en-gb"/>
-            </a:pPr>
-            <a:r>
-              <a:t>Study to question the impact of timing of privacy feedback on UX [7]</a:t>
-            </a:r>
-          </a:p>
-          <a:p>
-            <a:pPr lvl="1">
-              <a:defRPr lang="en-gb"/>
-            </a:pPr>
-            <a:r>
-              <a:t>Serious game to raise awareness [6]</a:t>
-            </a:r>
+              <a:defRPr lang="de-de"/>
+            </a:pPr>
+            <a:r>
+              <a:rPr lang="en-us"/>
+              <a:t>.NET Framework</a:t>
+            </a:r>
+            <a:endParaRPr lang="en-us"/>
+          </a:p>
+          <a:p>
+            <a:pPr>
+              <a:defRPr lang="de-de"/>
+            </a:pPr>
+            <a:r>
+              <a:rPr lang="en-us"/>
+              <a:t>Xamarin Forms</a:t>
+            </a:r>
+            <a:endParaRPr lang="en-us"/>
+          </a:p>
+          <a:p>
+            <a:pPr>
+              <a:defRPr lang="de-de"/>
+            </a:pPr>
+            <a:r>
+              <a:rPr lang="en-us"/>
+              <a:t>TizenFX</a:t>
+            </a:r>
+            <a:endParaRPr lang="en-us"/>
           </a:p>
         </p:txBody>
       </p:sp>
@@ -9010,7 +8580,7 @@
             <a:spLocks noGrp="1" noChangeArrowheads="1"/>
             <a:extLst>
               <a:ext uri="smNativeData">
-                <pr:smNativeData xmlns:pr="smNativeData" xmlns:p14="http://schemas.microsoft.com/office/powerpoint/2010/main" xmlns="" val="SMDATA_13_ec9PYBMAAAAlAAAAZAAAAA0AAAAAAAAAAAAAAAAAAAAAAAAAAAAAAAAAAAAAAAAAAAEAAABQAAAAAAAAAAAA4D8AAAAAAADgPwAAAAAAAOA/AAAAAAAA4D8AAAAAAADgPwAAAAAAAOA/AAAAAAAA4D8AAAAAAADgPwAAAAAAAOA/AAAAAAAA4D8CAAAAjAAAAAAAAAAAAAAAT4G9DP///wgAAAAAAAAAAAAAAAAAAAAAAAAAAAAAAAAAAAAAZAAAAAEAAABAAAAAAAAAAAAAAAAAAAAAAAAAAAAAAAAAAAAAAAAAAAAAAAAAAAAAAAAAAAAAAAAAAAAAAAAAAAAAAAAAAAAAAAAAAAAAAAAAAAAAAAAAAAAAAAAAAAAAFAAAADwAAAAAAAAAAAAAAAAAAAkUAAAAAQAAABQAAAAUAAAAFAAAAAEAAAAAAAAAZAAAAGQAAAAAAAAAZAAAAGQAAAAVAAAAYAAAAAAAAAAAAAAADwAAACADAAAAAAAAAAAAAAEAAACgMgAAVgcAAKr4//8BAAAAf39/AAEAAABkAAAAAAAAABQAAABAHwAAAAAAACYAAAAAAAAAwOD//wAAAAAmAAAAZAAAABYAAABMAAAAAAAAAAAAAAAEAAAAAAAAAAEAAADu7OEKAAAAACgAAAAoAAAAZAAAAGQAAAAAAAAAzMzMAAAAAABQAAAAUAAAAGQAAABkAAAAAAAAABcAAAAUAAAAAAAAAAAAAAD/fwAA/38AAAAAAAAJAAAABAAAAHwBAAAMAAAAEAAAAAAAAAAAAAAAAAAAAAAAAAAeAAAAaAAAAAAAAAAAAAAAAAAAAAAAAAAAAAAAECcAABAnAAAAAAAAAAAAAAAAAAAAAAAAAAAAAAAAAAAAAAAAAAAAABQAAAAAAAAAwMD/AAAAAABkAAAAMgAAAAAAAABkAAAAAAAAAH9/fwAKAAAAHwAAAFQAAABPgb0F////AQAAAAAAAAAAAAAAAAAAAAAAAAAAAAAAAAAAAAAAAAAAAAAAAn9/fwDu7OEDzMzMAMDA/wB/f38AAAAAAAAAAAAAAAAAAAAAAAAAAAAhAAAAGAAAABQAAADqAQAA4DgAAPAKAACYOgAAEAAAACYAAAAIAAAAAQAAAAAAAAA="/>
+                <pr:smNativeData xmlns:pr="smNativeData" val="SMDATA_13_eIVQYBMAAAAlAAAAZAAAAA0AAAAAAAAAAAAAAAAAAAAAAAAAAAAAAAAAAAAAAAAAAAEAAABQAAAAAAAAAAAA4D8AAAAAAADgPwAAAAAAAOA/AAAAAAAA4D8AAAAAAADgPwAAAAAAAOA/AAAAAAAA4D8AAAAAAADgPwAAAAAAAOA/AAAAAAAA4D8CAAAAjAAAAAAAAAAAAAAA////AP///wgAAAAAAAAAAAAAAAAAAAAAAAAAAAAAAAAAAAAAeAAAAAEAAABAAAAAAAAAAAAAAABaAAAAAAAAAAAAAAAAAAAAAAAAAAAAAAAAAAAAAAAAAAAAAAAAAAAAAAAAAAAAAAAAAAAAAAAAAAAAAAAAAAAAAAAAAAAAAAAAAAAAFAAAADwAAAAAAAAAAAAAAAAAAAAPAAAAAQAAACMAAAAjAAAAIwAAAB4AAAAAAAAAZAAAAGQAAAAAAAAAZAAAAGQAAAAVAAAAYAAAAAAAAAAAAAAADwAAACADAAAAAAAAAAAAAAEAAACgMgAAVgcAAKr4//8BAAAAf39/AAEAAABkAAAAAAAAABQAAABAHwAAAAAAACYAAAAAAAAAwOD//wAAAAAmAAAAZAAAABYAAABMAAAAAAAAAAAAAAAEAAAAAAAAAAEAAADu7OEKAAAAACgAAAAoAAAAZAAAAGQAAAAAAAAAzMzMAAAAAABQAAAAUAAAAGQAAABkAAAAAAAAABcAAAAUAAAAAAAAAAAAAAD/fwAA/38AAAAAAAAJAAAABAAAAEQAZwAMAAAAEAAAAAAAAAAAAAAAAAAAAAAAAAAeAAAAaAAAAAAAAAAAAAAAAAAAAAAAAAAAAAAAECcAABAnAAAAAAAAAAAAAAAAAAAAAAAAAAAAAAAAAAAAAAAAAAAAABQAAAAAAAAAwMD/AAAAAABkAAAAMgAAAAAAAABkAAAAAAAAAH9/fwAKAAAAHwAAAFQAAAD///8A////AQAAAAAAAAAAAAAAAAAAAAAAAAAAAAAAAAAAAAAAAAAAAAAAAH9/fwDu7OEDzMzMAMDA/wB/f38AAAAAAAAAAAAAAAAAAAAAAAAAAAAhAAAAGAAAABQAAADqAQAA4DgAAPAKAACYOgAAEAAAACYAAAAIAAAAAAAAAAAAAAA="/>
               </a:ext>
             </a:extLst>
           </p:cNvSpPr>
@@ -9018,12 +8588,7 @@
             <p:ph type="dt" sz="half" idx="2"/>
           </p:nvPr>
         </p:nvSpPr>
-        <p:spPr>
-          <a:xfrm>
-            <a:off x="311150" y="9245600"/>
-            <a:ext cx="1466850" cy="279400"/>
-          </a:xfrm>
-        </p:spPr>
+        <p:spPr/>
         <p:txBody>
           <a:bodyPr/>
           <a:lstStyle/>
@@ -9044,7 +8609,7 @@
             <a:spLocks noGrp="1" noChangeArrowheads="1"/>
             <a:extLst>
               <a:ext uri="smNativeData">
-                <pr:smNativeData xmlns:pr="smNativeData" xmlns:p14="http://schemas.microsoft.com/office/powerpoint/2010/main" xmlns="" val="SMDATA_13_ec9PYBMAAAAlAAAAZAAAAA0AAAAAAAAAAAAAAAAAAAAAAAAAAAAAAAAAAAAAAAAAAAEAAABQAAAAAAAAAAAA4D8AAAAAAADgPwAAAAAAAOA/AAAAAAAA4D8AAAAAAADgPwAAAAAAAOA/AAAAAAAA4D8AAAAAAADgPwAAAAAAAOA/AAAAAAAA4D8CAAAAjAAAAAAAAAAAAAAAT4G9DP///wgAAAAAAAAAAAAAAAAAAAAAAAAAAAAAAAAAAAAAZAAAAAEAAABAAAAAAAAAAAAAAAAAAAAAAAAAAAAAAAAAAAAAAAAAAAAAAAAAAAAAAAAAAAAAAAAAAAAAAAAAAAAAAAAAAAAAAAAAAAAAAAAAAAAAAAAAAAAAAAAAAAAAFAAAADwAAAAAAAAAAAAAAAAAAAkUAAAAAQAAABQAAAAUAAAAFAAAAAEAAAAAAAAAZAAAAGQAAAAAAAAAZAAAAGQAAAAVAAAAYAAAAAAAAAAAAAAADwAAACADAAAAAAAAAAAAAAEAAACgMgAAVgcAAKr4//8BAAAAf39/AAEAAABkAAAAAAAAABQAAABAHwAAAAAAACYAAAAAAAAAwOD//wAAAAAmAAAAZAAAABYAAABMAAAAAAAAAAAAAAAEAAAAAAAAAAEAAADu7OEKAAAAACgAAAAoAAAAZAAAAGQAAAAAAAAAzMzMAAAAAABQAAAAUAAAAGQAAABkAAAAAAAAABcAAAAUAAAAAAAAAAAAAAD/fwAA/38AAAAAAAAJAAAABAAAAAAAAAAMAAAAEAAAAAAAAAAAAAAAAAAAAAAAAAAeAAAAaAAAAAAAAAAAAAAAAAAAAAAAAAAAAAAAECcAABAnAAAAAAAAAAAAAAAAAAAAAAAAAAAAAAAAAAAAAAAAAAAAABQAAAAAAAAAwMD/AAAAAABkAAAAMgAAAAAAAABkAAAAAAAAAH9/fwAKAAAAHwAAAFQAAABPgb0F////AQAAAAAAAAAAAAAAAAAAAAAAAAAAAAAAAAAAAAAAAAAAAAAAAn9/fwDu7OEDzMzMAMDA/wB/f38AAAAAAAAAAAAAAAAAAAAAAAAAAAAhAAAAGAAAABQAAADQSAAAGDkAABZOAACYOgAAEAAAACYAAAAIAAAAAAAAAAAAAAA="/>
+                <pr:smNativeData xmlns:pr="smNativeData" val="SMDATA_13_eIVQYBMAAAAlAAAAZAAAAA0AAAAAAAAAAAAAAAAAAAAAAAAAAAAAAAAAAAAAAAAAAAEAAABQAAAAAAAAAAAA4D8AAAAAAADgPwAAAAAAAOA/AAAAAAAA4D8AAAAAAADgPwAAAAAAAOA/AAAAAAAA4D8AAAAAAADgPwAAAAAAAOA/AAAAAAAA4D8CAAAAjAAAAAAAAAAAAAAA////AP///wgAAAAAAAAAAAAAAAAAAAAAAAAAAAAAAAAAAAAAeAAAAAEAAABAAAAAAAAAAAAAAABaAAAAAAAAAAAAAAAAAAAAAAAAAAAAAAAAAAAAAAAAAAAAAAAAAAAAAAAAAAAAAAAAAAAAAAAAAAAAAAAAAAAAAAAAAAAAAAAAAAAAFAAAADwAAAAAAAAAAAAAAAAAAAAPAAAAAQAAACMAAAAjAAAAIwAAAB4AAAAAAAAAZAAAAGQAAAAAAAAAZAAAAGQAAAAVAAAAYAAAAAAAAAAAAAAADwAAACADAAAAAAAAAAAAAAEAAACgMgAAVgcAAKr4//8BAAAAf39/AAEAAABkAAAAAAAAABQAAABAHwAAAAAAACYAAAAAAAAAwOD//wAAAAAmAAAAZAAAABYAAABMAAAAAAAAAAAAAAAEAAAAAAAAAAEAAADu7OEKAAAAACgAAAAoAAAAZAAAAGQAAAAAAAAAzMzMAAAAAABQAAAAUAAAAGQAAABkAAAAAAAAABcAAAAUAAAAAAAAAAAAAAD/fwAA/38AAAAAAAAJAAAABAAAAAAAAAAMAAAAEAAAAAAAAAAAAAAAAAAAAAAAAAAeAAAAaAAAAAAAAAAAAAAAAAAAAAAAAAAAAAAAECcAABAnAAAAAAAAAAAAAAAAAAAAAAAAAAAAAAAAAAAAAAAAAAAAABQAAAAAAAAAwMD/AAAAAABkAAAAMgAAAAAAAABkAAAAAAAAAH9/fwAKAAAAHwAAAFQAAAD///8A////AQAAAAAAAAAAAAAAAAAAAAAAAAAAAAAAAAAAAAAAAAAAAAAAAH9/fwDu7OEDzMzMAMDA/wB/f38AAAAAAAAAAAAAAAAAAAAAAAAAAAAhAAAAGAAAABQAAADQSAAAGDkAABZOAACYOgAAEAAAACYAAAAIAAAAAAAAAAAAAAA="/>
               </a:ext>
             </a:extLst>
           </p:cNvSpPr>
@@ -9060,10 +8625,9 @@
             <a:pPr>
               <a:defRPr lang="de-de"/>
             </a:pPr>
-            <a:fld id="{3DD8F165-2BD0-8D07-9E60-DD52BF2E6888}" type="slidenum">
-              <a:t>7</a:t>
+            <a:fld id="{22C93EE9-A7CF-9CC8-8171-519D703F7704}" type="slidenum">
+              <a:t>6</a:t>
             </a:fld>
-            <a:endParaRPr/>
           </a:p>
         </p:txBody>
       </p:sp>
@@ -9072,11 +8636,18 @@
   <p:clrMapOvr>
     <a:masterClrMapping/>
   </p:clrMapOvr>
+  <p:timing>
+    <p:tnLst>
+      <p:par>
+        <p:cTn id="1" dur="indefinite" restart="never" nodeType="tmRoot"/>
+      </p:par>
+    </p:tnLst>
+  </p:timing>
 </p:sld>
 </file>
 
-<file path=ppt/slides/slide8.xml><?xml version="1.0" encoding="utf-8"?>
-<p:sld xmlns:a="http://schemas.openxmlformats.org/drawingml/2006/main" xmlns:r="http://schemas.openxmlformats.org/officeDocument/2006/relationships" xmlns:p="http://schemas.openxmlformats.org/presentationml/2006/main">
+<file path=ppt/slides/slide7.xml><?xml version="1.0" encoding="utf-8"?>
+<p:sld xmlns:p="http://schemas.openxmlformats.org/presentationml/2006/main" xmlns:p14="http://schemas.microsoft.com/office/powerpoint/2010/main" xmlns:r="http://schemas.openxmlformats.org/officeDocument/2006/relationships" xmlns:a="http://schemas.openxmlformats.org/drawingml/2006/main">
   <p:cSld>
     <p:spTree>
       <p:nvGrpSpPr>
@@ -9099,7 +8670,7 @@
             <a:spLocks noGrp="1" noChangeArrowheads="1"/>
             <a:extLst>
               <a:ext uri="smNativeData">
-                <pr:smNativeData xmlns="" xmlns:p14="http://schemas.microsoft.com/office/powerpoint/2010/main" xmlns:pr="smNativeData" val="SMDATA_13_ec9PYBMAAAAlAAAAZAAAAE0AAAAAAAAAAAAAAAAAAAAAAAAAAAAAAAAAAAAAAAAAAAEAAABQAAAAAAAAAAAA4D8AAAAAAADgPwAAAAAAAOA/AAAAAAAA4D8AAAAAAADgPwAAAAAAAOA/AAAAAAAA4D8AAAAAAADgPwAAAAAAAOA/AAAAAAAA4D8CAAAAjAAAAAAAAAAAAAAAT4G9DP///wgAAAAAAAAAAAAAAAAAAAAAAAAAAAAAAAAAAAAAZAAAAAEAAABAAAAAAAAAAAAAAAAAAAAAAAAAAAAAAAAAAAAAAAAAAAAAAAAAAAAAAAAAAAAAAAAAAAAAAAAAAAAAAAAAAAAAAAAAAAAAAAAAAAAAAAAAAAAAAAAAAAAAFAAAADwAAAAAAAAAAAAAAAAAAAkUAAAAAQAAABQAAAAUAAAAFAAAAAEAAAAAAAAAZAAAAGQAAAAAAAAAZAAAAGQAAAAVAAAAYAAAAAAAAAAAAAAADwAAACADAAAAAAAAAAAAAAEAAACgMgAAVgcAAKr4//8BAAAAf39/AAEAAABkAAAAAAAAABQAAABAHwAAAAAAACYAAAAAAAAAwOD//wAAAAAmAAAAZAAAABYAAABMAAAAAAAAAAAAAAAEAAAAAAAAAAEAAADu7OEKAAAAACgAAAAoAAAAZAAAAGQAAAAAAAAAzMzMAAAAAABQAAAAUAAAAGQAAABkAAAAAAAAABcAAAAUAAAAAAAAAAAAAAD/fwAA/38AAAAAAAAJAAAABAAAAAAAAAAMAAAAEAAAAAAAAAAAAAAAAAAAAAAAAAAeAAAAaAAAAAAAAAAAAAAAAAAAAAAAAAAAAAAAECcAABAnAAAAAAAAAAAAAAAAAAAAAAAAAAAAAAAAAAAAAAAAAAAAABQAAAAAAAAAwMD/AAAAAABkAAAAMgAAAAAAAABkAAAAAAAAAH9/fwAKAAAAHwAAAFQAAABPgb0F////AQAAAAAAAAAAAAAAAAAAAAAAAAAAAAAAAAAAAAAAAAAAAAAAAn9/fwDu7OEDzMzMAMDA/wB/f38AAAAAAAAAAAAAAAAAAAAAAAAAAAAhAAAAGAAAABQAAADIBQAAiQsAAHpIAACpDwAAACAAACYAAAAIAAAAAQAAAAAAAAA="/>
+                <pr:smNativeData xmlns:pr="smNativeData" val="SMDATA_13_eIVQYBMAAAAlAAAAZAAAAA0AAAAAAAAAAAAAAAAAAAAAAAAAAAAAAAAAAAAAAAAAAAEAAABQAAAAAAAAAAAA4D8AAAAAAADgPwAAAAAAAOA/AAAAAAAA4D8AAAAAAADgPwAAAAAAAOA/AAAAAAAA4D8AAAAAAADgPwAAAAAAAOA/AAAAAAAA4D8CAAAAjAAAAAAAAAAAAAAA////AP///wgAAAAAAAAAAAAAAAAAAAAAAAAAAAAAAAAAAAAAeAAAAAEAAABAAAAAAAAAAAAAAABaAAAAAAAAAAAAAAAAAAAAAAAAAAAAAAAAAAAAAAAAAAAAAAAAAAAAAAAAAAAAAAAAAAAAAAAAAAAAAAAAAAAAAAAAAAAAAAAAAAAAFAAAADwAAAAAAAAAAAAAAAAAAAAPAAAAAQAAACMAAAAjAAAAIwAAAB4AAAAAAAAAZAAAAGQAAAAAAAAAZAAAAGQAAAAVAAAAYAAAAAAAAAAAAAAADwAAACADAAAAAAAAAAAAAAEAAACgMgAAVgcAAKr4//8BAAAAf39/AAEAAABkAAAAAAAAABQAAABAHwAAAAAAACYAAAAAAAAAwOD//wAAAAAmAAAAZAAAABYAAABMAAAAAAAAAAAAAAAEAAAAAAAAAAEAAADu7OEKAAAAACgAAAAoAAAAZAAAAGQAAAAAAAAAzMzMAAAAAABQAAAAUAAAAGQAAABkAAAAAAAAABcAAAAUAAAAAAAAAAAAAAD/fwAA/38AAAAAAAAJAAAABAAAAAAAAAAMAAAAEAAAAAAAAAAAAAAAAAAAAAAAAAAeAAAAaAAAAAAAAAAAAAAAAAAAAAAAAAAAAAAAECcAABAnAAAAAAAAAAAAAAAAAAAAAAAAAAAAAAAAAAAAAAAAAAAAABQAAAAAAAAAwMD/AAAAAABkAAAAMgAAAAAAAABkAAAAAAAAAH9/fwAKAAAAHwAAAFQAAAD///8A////AQAAAAAAAAAAAAAAAAAAAAAAAAAAAAAAAAAAAAAAAAAAAAAAAH9/fwDu7OEDzMzMAMDA/wB/f38AAAAAAAAAAAAAAAAAAAAAAAAAAAAhAAAAGAAAABQAAADIBQAAiQsAAHpIAACpDwAAEAAAACYAAAAIAAAAAQAAAAAAAAA="/>
               </a:ext>
             </a:extLst>
           </p:cNvSpPr>
@@ -9121,16 +8692,7 @@
               <a:defRPr lang="en-gb"/>
             </a:pPr>
             <a:r>
-              <a:rPr dirty="0"/>
-              <a:t>Approach </a:t>
-            </a:r>
-            <a:r>
-              <a:rPr lang="en-GB" dirty="0"/>
-              <a:t>–</a:t>
-            </a:r>
-            <a:r>
-              <a:rPr dirty="0"/>
-              <a:t> System requirements</a:t>
+              <a:t>Related work</a:t>
             </a:r>
           </a:p>
         </p:txBody>
@@ -9142,7 +8704,7 @@
             <a:spLocks noGrp="1" noChangeArrowheads="1"/>
             <a:extLst>
               <a:ext uri="smNativeData">
-                <pr:smNativeData xmlns="" xmlns:p14="http://schemas.microsoft.com/office/powerpoint/2010/main" xmlns:pr="smNativeData" val="SMDATA_13_ec9PYBMAAAAlAAAAZAAAAE0AAAAAAAAAAAAAAAAAAAAAAAAAAAAAAAAAAAAAAAAAAAEAAABQAAAAAAAAAAAA4D8AAAAAAADgPwAAAAAAAOA/AAAAAAAA4D8AAAAAAADgPwAAAAAAAOA/AAAAAAAA4D8AAAAAAADgPwAAAAAAAOA/AAAAAAAA4D8CAAAAjAAAAAAAAAAAAAAAT4G9DP///wgAAAAAAAAAAAAAAAAAAAAAAAAAAAAAAAAAAAAAZAAAAAEAAABAAAAAAAAAAAAAAAAAAAAAAAAAAAAAAAAAAAAAAAAAAAAAAAAAAAAAAAAAAAAAAAAAAAAAAAAAAAAAAAAAAAAAAAAAAAAAAAAAAAAAAAAAAAAAAAAAAAAAFAAAADwAAAAAAAAAAAAAAAAAAAkUAAAAAQAAABQAAAAUAAAAFAAAAAEAAAAAAAAAZAAAAGQAAAAAAAAAZAAAAGQAAAAVAAAAYAAAAAAAAAAAAAAADwAAACADAAAAAAAAAAAAAAEAAACgMgAAVgcAAKr4//8BAAAAf39/AAEAAABkAAAAAAAAABQAAABAHwAAAAAAACYAAAAAAAAAwOD//wAAAAAmAAAAZAAAABYAAABMAAAAAAAAAAAAAAAEAAAAAAAAAAEAAADu7OEKAAAAACgAAAAoAAAAZAAAAGQAAAAAAAAAzMzMAAAAAABQAAAAUAAAAGQAAABkAAAAAAAAABcAAAAUAAAAAAAAAAAAAAD/fwAA/38AAAAAAAAJAAAABAAAAL4FAAAMAAAAEAAAAAAAAAAAAAAAAAAAAAAAAAAeAAAAaAAAAAAAAAAAAAAAAAAAAAAAAAAAAAAAECcAABAnAAAAAAAAAAAAAAAAAAAAAAAAAAAAAAAAAAAAAAAAAAAAABQAAAAAAAAAwMD/AAAAAABkAAAAMgAAAAAAAABkAAAAAAAAAH9/fwAKAAAAHwAAAFQAAABPgb0F////AQAAAAAAAAAAAAAAAAAAAAAAAAAAAAAAAAAAAAAAAAAAAAAAAn9/fwDu7OEDzMzMAMDA/wB/f38AAAAAAAAAAAAAAAAAAAAAAAAAAAAhAAAAGAAAABQAAADIBQAAwBIAAHpIAACQGwAAACAAACYAAAAIAAAAAYAAAAAAAAA="/>
+                <pr:smNativeData xmlns:pr="smNativeData" val="SMDATA_13_eIVQYBMAAAAlAAAAZAAAAA0AAAAAAAAAAAAAAAAAAAAAAAAAAAAAAAAAAAAAAAAAAAEAAABQAAAAAAAAAAAA4D8AAAAAAADgPwAAAAAAAOA/AAAAAAAA4D8AAAAAAADgPwAAAAAAAOA/AAAAAAAA4D8AAAAAAADgPwAAAAAAAOA/AAAAAAAA4D8CAAAAjAAAAAAAAAAAAAAA////AP///wgAAAAAAAAAAAAAAAAAAAAAAAAAAAAAAAAAAAAAeAAAAAEAAABAAAAAAAAAAAAAAABaAAAAAAAAAAAAAAAAAAAAAAAAAAAAAAAAAAAAAAAAAAAAAAAAAAAAAAAAAAAAAAAAAAAAAAAAAAAAAAAAAAAAAAAAAAAAAAAAAAAAFAAAADwAAAAAAAAAAAAAAAAAAAAPAAAAAQAAACMAAAAjAAAAIwAAAB4AAAAAAAAAZAAAAGQAAAAAAAAAZAAAAGQAAAAVAAAAYAAAAAAAAAAAAAAADwAAACADAAAAAAAAAAAAAAEAAACgMgAAVgcAAKr4//8BAAAAf39/AAEAAABkAAAAAAAAABQAAABAHwAAAAAAACYAAAAAAAAAwOD//wAAAAAmAAAAZAAAABYAAABMAAAAAAAAAAAAAAAEAAAAAAAAAAEAAADu7OEKAAAAACgAAAAoAAAAZAAAAGQAAAAAAAAAzMzMAAAAAABQAAAAUAAAAGQAAABkAAAAAAAAABcAAAAUAAAAAAAAAAAAAAD/fwAA/38AAAAAAAAJAAAABAAAAAAAAAAMAAAAEAAAAAAAAAAAAAAAAAAAAAAAAAAeAAAAaAAAAAAAAAAAAAAAAAAAAAAAAAAAAAAAECcAABAnAAAAAAAAAAAAAAAAAAAAAAAAAAAAAAAAAAAAAAAAAAAAABQAAAAAAAAAwMD/AAAAAABkAAAAMgAAAAAAAABkAAAAAAAAAH9/fwAKAAAAHwAAAFQAAAD///8A////AQAAAAAAAAAAAAAAAAAAAAAAAAAAAAAAAAAAAAAAAAAAAAAAAH9/fwDu7OEDzMzMAMDA/wB/f38AAAAAAAAAAAAAAAAAAAAAAAAAAAAhAAAAGAAAABQAAADIBQAAwBIAAHpIAACYNwAAEAAAACYAAAAIAAAAAYAAAAAAAAA="/>
               </a:ext>
             </a:extLst>
           </p:cNvSpPr>
@@ -9153,7 +8715,7 @@
         <p:spPr>
           <a:xfrm>
             <a:off x="939800" y="3048000"/>
-            <a:ext cx="10841990" cy="1432560"/>
+            <a:ext cx="10841990" cy="5989320"/>
           </a:xfrm>
         </p:spPr>
         <p:txBody>
@@ -9170,7 +8732,7 @@
                 <a:schemeClr val="accent1"/>
               </a:buClr>
               <a:buSzPts val="2910"/>
-              <a:buFont typeface="Wingdings" charset="0"/>
+              <a:buFont typeface="Wingdings" pitchFamily="0" charset="0"/>
               <a:buChar char="§"/>
               <a:tabLst/>
               <a:defRPr lang="de-de" sz="2800" b="0" i="0" baseline="0">
@@ -9201,7 +8763,7 @@
               <a:lnSpc>
                 <a:spcPct val="150000"/>
               </a:lnSpc>
-              <a:buFont typeface="Wingdings" charset="0"/>
+              <a:buFont typeface="Wingdings" pitchFamily="0" charset="0"/>
               <a:buChar char="§"/>
               <a:defRPr lang="de-de" sz="2000" b="0" i="0" baseline="0">
                 <a:solidFill>
@@ -9233,69 +8795,86 @@
           </a:lstStyle>
           <a:p>
             <a:pPr>
-              <a:defRPr lang="de-de" b="0"/>
-            </a:pPr>
-            <a:r>
-              <a:rPr dirty="0"/>
-              <a:t>System -&gt; Detect sensor accesses -&gt; Notify the user</a:t>
-            </a:r>
-          </a:p>
-          <a:p>
-            <a:pPr>
-              <a:defRPr lang="de-de" b="0"/>
-            </a:pPr>
-            <a:r>
-              <a:rPr lang="de-DE" dirty="0"/>
-              <a:t>User -&gt; Suspend the sensor usage</a:t>
-            </a:r>
-          </a:p>
-          <a:p>
-            <a:pPr>
-              <a:defRPr lang="de-de" b="0"/>
-            </a:pPr>
-            <a:r>
-              <a:rPr lang="de-DE" dirty="0"/>
-              <a:t>User Interface -&gt; Designed following the general principles</a:t>
-            </a:r>
-          </a:p>
-          <a:p>
-            <a:pPr>
-              <a:defRPr lang="de-de" b="0"/>
-            </a:pPr>
-            <a:r>
-              <a:rPr lang="de-DE" dirty="0"/>
-              <a:t>Feedbacks -&gt; adapted to the core settings of the device</a:t>
-            </a:r>
-          </a:p>
-          <a:p>
-            <a:pPr>
-              <a:defRPr lang="de-de" b="0"/>
-            </a:pPr>
-            <a:r>
-              <a:rPr lang="de-DE" dirty="0"/>
-              <a:t>Communication -&gt; minimal, fast and efficient</a:t>
-            </a:r>
-          </a:p>
-          <a:p>
-            <a:pPr>
-              <a:defRPr lang="de-de" b="0"/>
-            </a:pPr>
-            <a:r>
-              <a:rPr lang="de-DE" dirty="0"/>
-              <a:t>User -&gt; overal feels comfortable and full control over their privacy</a:t>
-            </a:r>
-          </a:p>
-          <a:p>
-            <a:pPr>
-              <a:defRPr lang="de-de" b="0"/>
-            </a:pPr>
-            <a:endParaRPr dirty="0"/>
-          </a:p>
-          <a:p>
-            <a:pPr>
-              <a:defRPr lang="de-de"/>
-            </a:pPr>
-            <a:endParaRPr lang="en-gb" dirty="0"/>
+              <a:defRPr lang="de-de"/>
+            </a:pPr>
+            <a:r>
+              <a:t>Users have wearable privacy concerns [1], [2]</a:t>
+            </a:r>
+          </a:p>
+          <a:p>
+            <a:pPr lvl="1">
+              <a:defRPr lang="de-de"/>
+            </a:pPr>
+            <a:r>
+              <a:t>But also misunderstandings and false beliefs [8]</a:t>
+            </a:r>
+          </a:p>
+          <a:p>
+            <a:pPr lvl="1">
+              <a:buChar char="→"/>
+              <a:defRPr lang="de-de"/>
+            </a:pPr>
+            <a:r>
+              <a:t> Important to raise awareness</a:t>
+            </a:r>
+          </a:p>
+          <a:p>
+            <a:pPr>
+              <a:defRPr lang="de-de"/>
+            </a:pPr>
+            <a:r>
+              <a:rPr lang="en-gb"/>
+              <a:t>Various apps giving context-dependent feedback</a:t>
+            </a:r>
+            <a:endParaRPr lang="en-gb"/>
+          </a:p>
+          <a:p>
+            <a:pPr lvl="1">
+              <a:defRPr lang="en-gb"/>
+            </a:pPr>
+            <a:r>
+              <a:t>Haptic feedback for pedestrian navigation [3]</a:t>
+            </a:r>
+          </a:p>
+          <a:p>
+            <a:pPr lvl="1">
+              <a:defRPr lang="en-gb"/>
+            </a:pPr>
+            <a:r>
+              <a:t>Visual and haptic feedback to assist deaf people [4]</a:t>
+            </a:r>
+          </a:p>
+          <a:p>
+            <a:pPr lvl="1">
+              <a:defRPr lang="en-gb"/>
+            </a:pPr>
+            <a:r>
+              <a:t>Visual feedback to assist rescuers during CPR [5]</a:t>
+            </a:r>
+          </a:p>
+          <a:p>
+            <a:pPr>
+              <a:defRPr lang="en-gb"/>
+            </a:pPr>
+            <a:r>
+              <a:t>Both together?</a:t>
+            </a:r>
+          </a:p>
+          <a:p>
+            <a:pPr lvl="1">
+              <a:defRPr lang="en-gb"/>
+            </a:pPr>
+            <a:r>
+              <a:t>Study to question the impact of timing of privacy feedback on UX [7]</a:t>
+            </a:r>
+          </a:p>
+          <a:p>
+            <a:pPr lvl="1">
+              <a:defRPr lang="en-gb"/>
+            </a:pPr>
+            <a:r>
+              <a:t>Serious game to raise awareness [6]</a:t>
+            </a:r>
           </a:p>
         </p:txBody>
       </p:sp>
@@ -9306,7 +8885,7 @@
             <a:spLocks noGrp="1" noChangeArrowheads="1"/>
             <a:extLst>
               <a:ext uri="smNativeData">
-                <pr:smNativeData xmlns="" xmlns:p14="http://schemas.microsoft.com/office/powerpoint/2010/main" xmlns:pr="smNativeData" val="SMDATA_13_ec9PYBMAAAAlAAAAZAAAAA0AAAAAAAAAAAAAAAAAAAAAAAAAAAAAAAAAAAAAAAAAAAEAAABQAAAAAAAAAAAA4D8AAAAAAADgPwAAAAAAAOA/AAAAAAAA4D8AAAAAAADgPwAAAAAAAOA/AAAAAAAA4D8AAAAAAADgPwAAAAAAAOA/AAAAAAAA4D8CAAAAjAAAAAAAAAAAAAAAT4G9DP///wgAAAAAAAAAAAAAAAAAAAAAAAAAAAAAAAAAAAAAZAAAAAEAAABAAAAAAAAAAAAAAAAAAAAAAAAAAAAAAAAAAAAAAAAAAAAAAAAAAAAAAAAAAAAAAAAAAAAAAAAAAAAAAAAAAAAAAAAAAAAAAAAAAAAAAAAAAAAAAAAAAAAAFAAAADwAAAAAAAAAAAAAAAAAAAkUAAAAAQAAABQAAAAUAAAAFAAAAAEAAAAAAAAAZAAAAGQAAAAAAAAAZAAAAGQAAAAVAAAAYAAAAAAAAAAAAAAADwAAACADAAAAAAAAAAAAAAEAAACgMgAAVgcAAKr4//8BAAAAf39/AAEAAABkAAAAAAAAABQAAABAHwAAAAAAACYAAAAAAAAAwOD//wAAAAAmAAAAZAAAABYAAABMAAAAAAAAAAAAAAAEAAAAAAAAAAEAAADu7OEKAAAAACgAAAAoAAAAZAAAAGQAAAAAAAAAzMzMAAAAAABQAAAAUAAAAGQAAABkAAAAAAAAABcAAAAUAAAAAAAAAAAAAAD/fwAA/38AAAAAAAAJAAAABAAAAGwAAAAMAAAAEAAAAAAAAAAAAAAAAAAAAAAAAAAeAAAAaAAAAAAAAAAAAAAAAAAAAAAAAAAAAAAAECcAABAnAAAAAAAAAAAAAAAAAAAAAAAAAAAAAAAAAAAAAAAAAAAAABQAAAAAAAAAwMD/AAAAAABkAAAAMgAAAAAAAABkAAAAAAAAAH9/fwAKAAAAHwAAAFQAAABPgb0F////AQAAAAAAAAAAAAAAAAAAAAAAAAAAAAAAAAAAAAAAAAAAAAAAAn9/fwDu7OEDzMzMAMDA/wB/f38AAAAAAAAAAAAAAAAAAAAAAAAAAAAhAAAAGAAAABQAAADqAQAA4DgAAPAKAACYOgAAEAAAACYAAAAIAAAAAQAAAAAAAAA="/>
+                <pr:smNativeData xmlns:pr="smNativeData" val="SMDATA_13_eIVQYBMAAAAlAAAAZAAAAA0AAAAAAAAAAAAAAAAAAAAAAAAAAAAAAAAAAAAAAAAAAAEAAABQAAAAAAAAAAAA4D8AAAAAAADgPwAAAAAAAOA/AAAAAAAA4D8AAAAAAADgPwAAAAAAAOA/AAAAAAAA4D8AAAAAAADgPwAAAAAAAOA/AAAAAAAA4D8CAAAAjAAAAAAAAAAAAAAA////AP///wgAAAAAAAAAAAAAAAAAAAAAAAAAAAAAAAAAAAAAeAAAAAEAAABAAAAAAAAAAAAAAABaAAAAAAAAAAAAAAAAAAAAAAAAAAAAAAAAAAAAAAAAAAAAAAAAAAAAAAAAAAAAAAAAAAAAAAAAAAAAAAAAAAAAAAAAAAAAAAAAAAAAFAAAADwAAAAAAAAAAAAAAAAAAAAPAAAAAQAAACMAAAAjAAAAIwAAAB4AAAAAAAAAZAAAAGQAAAAAAAAAZAAAAGQAAAAVAAAAYAAAAAAAAAAAAAAADwAAACADAAAAAAAAAAAAAAEAAACgMgAAVgcAAKr4//8BAAAAf39/AAEAAABkAAAAAAAAABQAAABAHwAAAAAAACYAAAAAAAAAwOD//wAAAAAmAAAAZAAAABYAAABMAAAAAAAAAAAAAAAEAAAAAAAAAAEAAADu7OEKAAAAACgAAAAoAAAAZAAAAGQAAAAAAAAAzMzMAAAAAABQAAAAUAAAAGQAAABkAAAAAAAAABcAAAAUAAAAAAAAAAAAAAD/fwAA/38AAAAAAAAJAAAABAAAAAAAAAAMAAAAEAAAAAAAAAAAAAAAAAAAAAAAAAAeAAAAaAAAAAAAAAAAAAAAAAAAAAAAAAAAAAAAECcAABAnAAAAAAAAAAAAAAAAAAAAAAAAAAAAAAAAAAAAAAAAAAAAABQAAAAAAAAAwMD/AAAAAABkAAAAMgAAAAAAAABkAAAAAAAAAH9/fwAKAAAAHwAAAFQAAAD///8A////AQAAAAAAAAAAAAAAAAAAAAAAAAAAAAAAAAAAAAAAAAAAAAAAAH9/fwDu7OEDzMzMAMDA/wB/f38AAAAAAAAAAAAAAAAAAAAAAAAAAAAhAAAAGAAAABQAAADqAQAA4DgAAPAKAACYOgAAEAAAACYAAAAIAAAAAAAAAAAAAAA="/>
               </a:ext>
             </a:extLst>
           </p:cNvSpPr>
@@ -9314,12 +8893,7 @@
             <p:ph type="dt" sz="half" idx="2"/>
           </p:nvPr>
         </p:nvSpPr>
-        <p:spPr>
-          <a:xfrm>
-            <a:off x="311150" y="9245600"/>
-            <a:ext cx="1466850" cy="279400"/>
-          </a:xfrm>
-        </p:spPr>
+        <p:spPr/>
         <p:txBody>
           <a:bodyPr/>
           <a:lstStyle/>
@@ -9340,7 +8914,7 @@
             <a:spLocks noGrp="1" noChangeArrowheads="1"/>
             <a:extLst>
               <a:ext uri="smNativeData">
-                <pr:smNativeData xmlns="" xmlns:p14="http://schemas.microsoft.com/office/powerpoint/2010/main" xmlns:pr="smNativeData" val="SMDATA_13_ec9PYBMAAAAlAAAAZAAAAA0AAAAAAAAAAAAAAAAAAAAAAAAAAAAAAAAAAAAAAAAAAAEAAABQAAAAAAAAAAAA4D8AAAAAAADgPwAAAAAAAOA/AAAAAAAA4D8AAAAAAADgPwAAAAAAAOA/AAAAAAAA4D8AAAAAAADgPwAAAAAAAOA/AAAAAAAA4D8CAAAAjAAAAAAAAAAAAAAAT4G9DP///wgAAAAAAAAAAAAAAAAAAAAAAAAAAAAAAAAAAAAAZAAAAAEAAABAAAAAAAAAAAAAAAAAAAAAAAAAAAAAAAAAAAAAAAAAAAAAAAAAAAAAAAAAAAAAAAAAAAAAAAAAAAAAAAAAAAAAAAAAAAAAAAAAAAAAAAAAAAAAAAAAAAAAFAAAADwAAAAAAAAAAAAAAAAAAAkUAAAAAQAAABQAAAAUAAAAFAAAAAEAAAAAAAAAZAAAAGQAAAAAAAAAZAAAAGQAAAAVAAAAYAAAAAAAAAAAAAAADwAAACADAAAAAAAAAAAAAAEAAACgMgAAVgcAAKr4//8BAAAAf39/AAEAAABkAAAAAAAAABQAAABAHwAAAAAAACYAAAAAAAAAwOD//wAAAAAmAAAAZAAAABYAAABMAAAAAAAAAAAAAAAEAAAAAAAAAAEAAADu7OEKAAAAACgAAAAoAAAAZAAAAGQAAAAAAAAAzMzMAAAAAABQAAAAUAAAAGQAAABkAAAAAAAAABcAAAAUAAAAAAAAAAAAAAD/fwAA/38AAAAAAAAJAAAABAAAAEgDAAAMAAAAEAAAAAAAAAAAAAAAAAAAAAAAAAAeAAAAaAAAAAAAAAAAAAAAAAAAAAAAAAAAAAAAECcAABAnAAAAAAAAAAAAAAAAAAAAAAAAAAAAAAAAAAAAAAAAAAAAABQAAAAAAAAAwMD/AAAAAABkAAAAMgAAAAAAAABkAAAAAAAAAH9/fwAKAAAAHwAAAFQAAABPgb0F////AQAAAAAAAAAAAAAAAAAAAAAAAAAAAAAAAAAAAAAAAAAAAAAAAn9/fwDu7OEDzMzMAMDA/wB/f38AAAAAAAAAAAAAAAAAAAAAAAAAAAAhAAAAGAAAABQAAADQSAAAGDkAABZOAACYOgAAEAAAACYAAAAIAAAAAAAAAAAAAAA="/>
+                <pr:smNativeData xmlns:pr="smNativeData" val="SMDATA_13_eIVQYBMAAAAlAAAAZAAAAA0AAAAAAAAAAAAAAAAAAAAAAAAAAAAAAAAAAAAAAAAAAAEAAABQAAAAAAAAAAAA4D8AAAAAAADgPwAAAAAAAOA/AAAAAAAA4D8AAAAAAADgPwAAAAAAAOA/AAAAAAAA4D8AAAAAAADgPwAAAAAAAOA/AAAAAAAA4D8CAAAAjAAAAAAAAAAAAAAA////AP///wgAAAAAAAAAAAAAAAAAAAAAAAAAAAAAAAAAAAAAeAAAAAEAAABAAAAAAAAAAAAAAABaAAAAAAAAAAAAAAAAAAAAAAAAAAAAAAAAAAAAAAAAAAAAAAAAAAAAAAAAAAAAAAAAAAAAAAAAAAAAAAAAAAAAAAAAAAAAAAAAAAAAFAAAADwAAAAAAAAAAAAAAAAAAAAPAAAAAQAAACMAAAAjAAAAIwAAAB4AAAAAAAAAZAAAAGQAAAAAAAAAZAAAAGQAAAAVAAAAYAAAAAAAAAAAAAAADwAAACADAAAAAAAAAAAAAAEAAACgMgAAVgcAAKr4//8BAAAAf39/AAEAAABkAAAAAAAAABQAAABAHwAAAAAAACYAAAAAAAAAwOD//wAAAAAmAAAAZAAAABYAAABMAAAAAAAAAAAAAAAEAAAAAAAAAAEAAADu7OEKAAAAACgAAAAoAAAAZAAAAGQAAAAAAAAAzMzMAAAAAABQAAAAUAAAAGQAAABkAAAAAAAAABcAAAAUAAAAAAAAAAAAAAD/fwAA/38AAAAAAAAJAAAABAAAAAAAAAAMAAAAEAAAAAAAAAAAAAAAAAAAAAAAAAAeAAAAaAAAAAAAAAAAAAAAAAAAAAAAAAAAAAAAECcAABAnAAAAAAAAAAAAAAAAAAAAAAAAAAAAAAAAAAAAAAAAAAAAABQAAAAAAAAAwMD/AAAAAABkAAAAMgAAAAAAAABkAAAAAAAAAH9/fwAKAAAAHwAAAFQAAAD///8A////AQAAAAAAAAAAAAAAAAAAAAAAAAAAAAAAAAAAAAAAAAAAAAAAAH9/fwDu7OEDzMzMAMDA/wB/f38AAAAAAAAAAAAAAAAAAAAAAAAAAAAhAAAAGAAAABQAAADQSAAAGDkAABZOAACYOgAAEAAAACYAAAAIAAAAAAAAAAAAAAA="/>
               </a:ext>
             </a:extLst>
           </p:cNvSpPr>
@@ -9356,28 +8930,29 @@
             <a:pPr>
               <a:defRPr lang="de-de"/>
             </a:pPr>
-            <a:fld id="{470D4CB7-F9AA-58BA-E4B5-0FEF02FB125A}" type="slidenum">
-              <a:t>8</a:t>
+            <a:fld id="{06C68E86-C8EB-9378-A57E-3E2DC030536B}" type="slidenum">
+              <a:t>7</a:t>
             </a:fld>
-            <a:endParaRPr/>
           </a:p>
         </p:txBody>
       </p:sp>
     </p:spTree>
-    <p:extLst>
-      <p:ext uri="{BB962C8B-B14F-4D97-AF65-F5344CB8AC3E}">
-        <p14:creationId xmlns:p14="http://schemas.microsoft.com/office/powerpoint/2010/main" val="1175901785"/>
-      </p:ext>
-    </p:extLst>
   </p:cSld>
   <p:clrMapOvr>
     <a:masterClrMapping/>
   </p:clrMapOvr>
+  <p:timing>
+    <p:tnLst>
+      <p:par>
+        <p:cTn id="1" dur="indefinite" restart="never" nodeType="tmRoot"/>
+      </p:par>
+    </p:tnLst>
+  </p:timing>
 </p:sld>
 </file>
 
-<file path=ppt/slides/slide9.xml><?xml version="1.0" encoding="utf-8"?>
-<p:sld xmlns:a="http://schemas.openxmlformats.org/drawingml/2006/main" xmlns:r="http://schemas.openxmlformats.org/officeDocument/2006/relationships" xmlns:p="http://schemas.openxmlformats.org/presentationml/2006/main">
+<file path=ppt/slides/slide8.xml><?xml version="1.0" encoding="utf-8"?>
+<p:sld xmlns:p="http://schemas.openxmlformats.org/presentationml/2006/main" xmlns:p14="http://schemas.microsoft.com/office/powerpoint/2010/main" xmlns:r="http://schemas.openxmlformats.org/officeDocument/2006/relationships" xmlns:a="http://schemas.openxmlformats.org/drawingml/2006/main">
   <p:cSld>
     <p:spTree>
       <p:nvGrpSpPr>
@@ -9400,7 +8975,7 @@
             <a:spLocks noGrp="1" noChangeArrowheads="1"/>
             <a:extLst>
               <a:ext uri="smNativeData">
-                <pr:smNativeData xmlns:pr="smNativeData" xmlns:p14="http://schemas.microsoft.com/office/powerpoint/2010/main" xmlns="" val="SMDATA_13_ec9PYBMAAAAlAAAAZAAAAE0AAAAAAAAAAAAAAAAAAAAAAAAAAAAAAAAAAAAAAAAAAAEAAABQAAAAAAAAAAAA4D8AAAAAAADgPwAAAAAAAOA/AAAAAAAA4D8AAAAAAADgPwAAAAAAAOA/AAAAAAAA4D8AAAAAAADgPwAAAAAAAOA/AAAAAAAA4D8CAAAAjAAAAAAAAAAAAAAAT4G9DP///wgAAAAAAAAAAAAAAAAAAAAAAAAAAAAAAAAAAAAAZAAAAAEAAABAAAAAAAAAAAAAAAAAAAAAAAAAAAAAAAAAAAAAAAAAAAAAAAAAAAAAAAAAAAAAAAAAAAAAAAAAAAAAAAAAAAAAAAAAAAAAAAAAAAAAAAAAAAAAAAAAAAAAFAAAADwAAAAAAAAAAAAAAAAAAAkUAAAAAQAAABQAAAAUAAAAFAAAAAEAAAAAAAAAZAAAAGQAAAAAAAAAZAAAAGQAAAAVAAAAYAAAAAAAAAAAAAAADwAAACADAAAAAAAAAAAAAAEAAACgMgAAVgcAAKr4//8BAAAAf39/AAEAAABkAAAAAAAAABQAAABAHwAAAAAAACYAAAAAAAAAwOD//wAAAAAmAAAAZAAAABYAAABMAAAAAAAAAAAAAAAEAAAAAAAAAAEAAADu7OEKAAAAACgAAAAoAAAAZAAAAGQAAAAAAAAAzMzMAAAAAABQAAAAUAAAAGQAAABkAAAAAAAAABcAAAAUAAAAAAAAAAAAAAD/fwAA/38AAAAAAAAJAAAABAAAAAAAAAAMAAAAEAAAAAAAAAAAAAAAAAAAAAAAAAAeAAAAaAAAAAAAAAAAAAAAAAAAAAAAAAAAAAAAECcAABAnAAAAAAAAAAAAAAAAAAAAAAAAAAAAAAAAAAAAAAAAAAAAABQAAAAAAAAAwMD/AAAAAABkAAAAMgAAAAAAAABkAAAAAAAAAH9/fwAKAAAAHwAAAFQAAABPgb0F////AQAAAAAAAAAAAAAAAAAAAAAAAAAAAAAAAAAAAAAAAAAAAAAAAn9/fwDu7OEDzMzMAMDA/wB/f38AAAAAAAAAAAAAAAAAAAAAAAAAAAAhAAAAGAAAABQAAADIBQAAiQsAAHpIAACpDwAAACAAACYAAAAIAAAAAQAAAAAAAAA="/>
+                <pr:smNativeData xmlns:pr="smNativeData" val="SMDATA_13_eIVQYBMAAAAlAAAAZAAAAA0AAAAAAAAAAAAAAAAAAAAAAAAAAAAAAAAAAAAAAAAAAAEAAABQAAAAAAAAAAAA4D8AAAAAAADgPwAAAAAAAOA/AAAAAAAA4D8AAAAAAADgPwAAAAAAAOA/AAAAAAAA4D8AAAAAAADgPwAAAAAAAOA/AAAAAAAA4D8CAAAAjAAAAAAAAAAAAAAA////AP///wgAAAAAAAAAAAAAAAAAAAAAAAAAAAAAAAAAAAAAeAAAAAEAAABAAAAAAAAAAAAAAABaAAAAAAAAAAAAAAAAAAAAAAAAAAAAAAAAAAAAAAAAAAAAAAAAAAAAAAAAAAAAAAAAAAAAAAAAAAAAAAAAAAAAAAAAAAAAAAAAAAAAFAAAADwAAAAAAAAAAAAAAAAAAAAPAAAAAQAAACMAAAAjAAAAIwAAAB4AAAAAAAAAZAAAAGQAAAAAAAAAZAAAAGQAAAAVAAAAYAAAAAAAAAAAAAAADwAAACADAAAAAAAAAAAAAAEAAACgMgAAVgcAAKr4//8BAAAAf39/AAEAAABkAAAAAAAAABQAAABAHwAAAAAAACYAAAAAAAAAwOD//wAAAAAmAAAAZAAAABYAAABMAAAAAAAAAAAAAAAEAAAAAAAAAAEAAADu7OEKAAAAACgAAAAoAAAAZAAAAGQAAAAAAAAAzMzMAAAAAABQAAAAUAAAAGQAAABkAAAAAAAAABcAAAAUAAAAAAAAAAAAAAD/fwAA/38AAAAAAAAJAAAABAAAAEEAQQAMAAAAEAAAAAAAAAAAAAAAAAAAAAAAAAAeAAAAaAAAAAAAAAAAAAAAAAAAAAAAAAAAAAAAECcAABAnAAAAAAAAAAAAAAAAAAAAAAAAAAAAAAAAAAAAAAAAAAAAABQAAAAAAAAAwMD/AAAAAABkAAAAMgAAAAAAAABkAAAAAAAAAH9/fwAKAAAAHwAAAFQAAAD///8A////AQAAAAAAAAAAAAAAAAAAAAAAAAAAAAAAAAAAAAAAAAAAAAAAAH9/fwDu7OEDzMzMAMDA/wB/f38AAAAAAAAAAAAAAAAAAAAAAAAAAAAhAAAAGAAAABQAAADIBQAAiQsAAHpIAACpDwAAEAAAACYAAAAIAAAAAQAAAAAAAAA="/>
               </a:ext>
             </a:extLst>
           </p:cNvSpPr>
@@ -9422,16 +8997,7 @@
               <a:defRPr lang="en-gb"/>
             </a:pPr>
             <a:r>
-              <a:rPr dirty="0"/>
-              <a:t>Approach </a:t>
-            </a:r>
-            <a:r>
-              <a:rPr lang="en-GB" dirty="0"/>
-              <a:t>–</a:t>
-            </a:r>
-            <a:r>
-              <a:rPr dirty="0"/>
-              <a:t> System Overview</a:t>
+              <a:t>Approach – System requirements</a:t>
             </a:r>
           </a:p>
         </p:txBody>
@@ -9443,7 +9009,7 @@
             <a:spLocks noGrp="1" noChangeArrowheads="1"/>
             <a:extLst>
               <a:ext uri="smNativeData">
-                <pr:smNativeData xmlns:pr="smNativeData" xmlns:p14="http://schemas.microsoft.com/office/powerpoint/2010/main" xmlns="" val="SMDATA_13_ec9PYBMAAAAlAAAAZAAAAE0AAAAAAAAAAAAAAAAAAAAAAAAAAAAAAAAAAAAAAAAAAAEAAABQAAAAAAAAAAAA4D8AAAAAAADgPwAAAAAAAOA/AAAAAAAA4D8AAAAAAADgPwAAAAAAAOA/AAAAAAAA4D8AAAAAAADgPwAAAAAAAOA/AAAAAAAA4D8CAAAAjAAAAAAAAAAAAAAAT4G9DP///wgAAAAAAAAAAAAAAAAAAAAAAAAAAAAAAAAAAAAAZAAAAAEAAABAAAAAAAAAAAAAAAAAAAAAAAAAAAAAAAAAAAAAAAAAAAAAAAAAAAAAAAAAAAAAAAAAAAAAAAAAAAAAAAAAAAAAAAAAAAAAAAAAAAAAAAAAAAAAAAAAAAAAFAAAADwAAAAAAAAAAAAAAAAAAAkUAAAAAQAAABQAAAAUAAAAFAAAAAEAAAAAAAAAZAAAAGQAAAAAAAAAZAAAAGQAAAAVAAAAYAAAAAAAAAAAAAAADwAAACADAAAAAAAAAAAAAAEAAACgMgAAVgcAAKr4//8BAAAAf39/AAEAAABkAAAAAAAAABQAAABAHwAAAAAAACYAAAAAAAAAwOD//wAAAAAmAAAAZAAAABYAAABMAAAAAAAAAAAAAAAEAAAAAAAAAAEAAADu7OEKAAAAACgAAAAoAAAAZAAAAGQAAAAAAAAAzMzMAAAAAABQAAAAUAAAAGQAAABkAAAAAAAAABcAAAAUAAAAAAAAAAAAAAD/fwAA/38AAAAAAAAJAAAABAAAAL4FAAAMAAAAEAAAAAAAAAAAAAAAAAAAAAAAAAAeAAAAaAAAAAAAAAAAAAAAAAAAAAAAAAAAAAAAECcAABAnAAAAAAAAAAAAAAAAAAAAAAAAAAAAAAAAAAAAAAAAAAAAABQAAAAAAAAAwMD/AAAAAABkAAAAMgAAAAAAAABkAAAAAAAAAH9/fwAKAAAAHwAAAFQAAABPgb0F////AQAAAAAAAAAAAAAAAAAAAAAAAAAAAAAAAAAAAAAAAAAAAAAAAn9/fwDu7OEDzMzMAMDA/wB/f38AAAAAAAAAAAAAAAAAAAAAAAAAAAAhAAAAGAAAABQAAADIBQAAwBIAAHpIAACQGwAAACAAACYAAAAIAAAAAYAAAAAAAAA="/>
+                <pr:smNativeData xmlns:pr="smNativeData" val="SMDATA_13_eIVQYBMAAAAlAAAAZAAAAA0AAAAAAAAAAAAAAAAAAAAAAAAAAAAAAAAAAAAAAAAAAAEAAABQAAAAAAAAAAAA4D8AAAAAAADgPwAAAAAAAOA/AAAAAAAA4D8AAAAAAADgPwAAAAAAAOA/AAAAAAAA4D8AAAAAAADgPwAAAAAAAOA/AAAAAAAA4D8CAAAAjAAAAAAAAAAAAAAA////AP///wgAAAAAAAAAAAAAAAAAAAAAAAAAAAAAAAAAAAAAeAAAAAEAAABAAAAAAAAAAAAAAABaAAAAAAAAAAAAAAAAAAAAAAAAAAAAAAAAAAAAAAAAAAAAAAAAAAAAAAAAAAAAAAAAAAAAAAAAAAAAAAAAAAAAAAAAAAAAAAAAAAAAFAAAADwAAAAAAAAAAAAAAAAAAAAPAAAAAQAAACMAAAAjAAAAIwAAAB4AAAAAAAAAZAAAAGQAAAAAAAAAZAAAAGQAAAAVAAAAYAAAAAAAAAAAAAAADwAAACADAAAAAAAAAAAAAAEAAACgMgAAVgcAAKr4//8BAAAAf39/AAEAAABkAAAAAAAAABQAAABAHwAAAAAAACYAAAAAAAAAwOD//wAAAAAmAAAAZAAAABYAAABMAAAAAAAAAAAAAAAEAAAAAAAAAAEAAADu7OEKAAAAACgAAAAoAAAAZAAAAGQAAAAAAAAAzMzMAAAAAABQAAAAUAAAAGQAAABkAAAAAAAAABcAAAAUAAAAAAAAAAAAAAD/fwAA/38AAAAAAAAJAAAABAAAAEEAQQAMAAAAEAAAAAAAAAAAAAAAAAAAAAAAAAAeAAAAaAAAAAAAAAAAAAAAAAAAAAAAAAAAAAAAECcAABAnAAAAAAAAAAAAAAAAAAAAAAAAAAAAAAAAAAAAAAAAAAAAABQAAAAAAAAAwMD/AAAAAABkAAAAMgAAAAAAAABkAAAAAAAAAH9/fwAKAAAAHwAAAFQAAAD///8A////AQAAAAAAAAAAAAAAAAAAAAAAAAAAAAAAAAAAAAAAAAAAAAAAAH9/fwDu7OEDzMzMAMDA/wB/f38AAAAAAAAAAAAAAAAAAAAAAAAAAAAhAAAAGAAAABQAAADIBQAAwBIAAJJIAADKLgAAAAAAACYAAAAIAAAAAYAAAAAAAAA="/>
               </a:ext>
             </a:extLst>
           </p:cNvSpPr>
@@ -9454,7 +9020,7 @@
         <p:spPr>
           <a:xfrm>
             <a:off x="939800" y="3048000"/>
-            <a:ext cx="10841990" cy="1432560"/>
+            <a:ext cx="10857230" cy="4558030"/>
           </a:xfrm>
         </p:spPr>
         <p:txBody>
@@ -9471,7 +9037,7 @@
                 <a:schemeClr val="accent1"/>
               </a:buClr>
               <a:buSzPts val="2910"/>
-              <a:buFont typeface="Wingdings" charset="0"/>
+              <a:buFont typeface="Wingdings" pitchFamily="0" charset="0"/>
               <a:buChar char="§"/>
               <a:tabLst/>
               <a:defRPr lang="de-de" sz="2800" b="0" i="0" baseline="0">
@@ -9502,7 +9068,7 @@
               <a:lnSpc>
                 <a:spcPct val="150000"/>
               </a:lnSpc>
-              <a:buFont typeface="Wingdings" charset="0"/>
+              <a:buFont typeface="Wingdings" pitchFamily="0" charset="0"/>
               <a:buChar char="§"/>
               <a:defRPr lang="de-de" sz="2000" b="0" i="0" baseline="0">
                 <a:solidFill>
@@ -9534,15 +9100,62 @@
           </a:lstStyle>
           <a:p>
             <a:pPr>
-              <a:defRPr lang="de-de" b="0"/>
-            </a:pPr>
-            <a:endParaRPr dirty="0"/>
-          </a:p>
-          <a:p>
-            <a:pPr>
-              <a:defRPr lang="de-de"/>
-            </a:pPr>
-            <a:endParaRPr lang="en-gb" dirty="0"/>
+              <a:defRPr lang="de-de"/>
+            </a:pPr>
+            <a:r>
+              <a:t>System → Detect sensor accesses → Notify the user</a:t>
+            </a:r>
+          </a:p>
+          <a:p>
+            <a:pPr>
+              <a:defRPr lang="de-de"/>
+            </a:pPr>
+            <a:r>
+              <a:t>User → Suspend the sensor usage</a:t>
+            </a:r>
+          </a:p>
+          <a:p>
+            <a:pPr>
+              <a:defRPr lang="de-de"/>
+            </a:pPr>
+            <a:r>
+              <a:t>User Interface → Designed following the general principles</a:t>
+            </a:r>
+          </a:p>
+          <a:p>
+            <a:pPr>
+              <a:defRPr lang="de-de"/>
+            </a:pPr>
+            <a:r>
+              <a:t>Feedbacks → adapted to the core settings of the device</a:t>
+            </a:r>
+          </a:p>
+          <a:p>
+            <a:pPr>
+              <a:defRPr lang="de-de"/>
+            </a:pPr>
+            <a:r>
+              <a:t>Communication → minimal, fast and efficient</a:t>
+            </a:r>
+          </a:p>
+          <a:p>
+            <a:pPr>
+              <a:defRPr lang="de-de"/>
+            </a:pPr>
+            <a:r>
+              <a:t>User → should feel comfortable and have control over their privacy</a:t>
+            </a:r>
+          </a:p>
+          <a:p>
+            <a:pPr>
+              <a:defRPr lang="de-de"/>
+            </a:pPr>
+          </a:p>
+          <a:p>
+            <a:pPr>
+              <a:defRPr lang="de-de"/>
+            </a:pPr>
+            <a:endParaRPr lang="en-gb"/>
           </a:p>
         </p:txBody>
       </p:sp>
@@ -9553,18 +9166,108 @@
             <a:spLocks noGrp="1" noChangeArrowheads="1"/>
             <a:extLst>
               <a:ext uri="smNativeData">
-                <pr:smNativeData xmlns:pr="smNativeData" xmlns:p14="http://schemas.microsoft.com/office/powerpoint/2010/main" xmlns="" val="SMDATA_13_ec9PYBMAAAAlAAAAZAAAAA0AAAAAAAAAAAAAAAAAAAAAAAAAAAAAAAAAAAAAAAAAAAEAAABQAAAAAAAAAAAA4D8AAAAAAADgPwAAAAAAAOA/AAAAAAAA4D8AAAAAAADgPwAAAAAAAOA/AAAAAAAA4D8AAAAAAADgPwAAAAAAAOA/AAAAAAAA4D8CAAAAjAAAAAAAAAAAAAAAT4G9DP///wgAAAAAAAAAAAAAAAAAAAAAAAAAAAAAAAAAAAAAZAAAAAEAAABAAAAAAAAAAAAAAAAAAAAAAAAAAAAAAAAAAAAAAAAAAAAAAAAAAAAAAAAAAAAAAAAAAAAAAAAAAAAAAAAAAAAAAAAAAAAAAAAAAAAAAAAAAAAAAAAAAAAAFAAAADwAAAAAAAAAAAAAAAAAAAkUAAAAAQAAABQAAAAUAAAAFAAAAAEAAAAAAAAAZAAAAGQAAAAAAAAAZAAAAGQAAAAVAAAAYAAAAAAAAAAAAAAADwAAACADAAAAAAAAAAAAAAEAAACgMgAAVgcAAKr4//8BAAAAf39/AAEAAABkAAAAAAAAABQAAABAHwAAAAAAACYAAAAAAAAAwOD//wAAAAAmAAAAZAAAABYAAABMAAAAAAAAAAAAAAAEAAAAAAAAAAEAAADu7OEKAAAAACgAAAAoAAAAZAAAAGQAAAAAAAAAzMzMAAAAAABQAAAAUAAAAGQAAABkAAAAAAAAABcAAAAUAAAAAAAAAAAAAAD/fwAA/38AAAAAAAAJAAAABAAAAGwAAAAMAAAAEAAAAAAAAAAAAAAAAAAAAAAAAAAeAAAAaAAAAAAAAAAAAAAAAAAAAAAAAAAAAAAAECcAABAnAAAAAAAAAAAAAAAAAAAAAAAAAAAAAAAAAAAAAAAAAAAAABQAAAAAAAAAwMD/AAAAAABkAAAAMgAAAAAAAABkAAAAAAAAAH9/fwAKAAAAHwAAAFQAAABPgb0F////AQAAAAAAAAAAAAAAAAAAAAAAAAAAAAAAAAAAAAAAAAAAAAAAAn9/fwDu7OEDzMzMAMDA/wB/f38AAAAAAAAAAAAAAAAAAAAAAAAAAAAhAAAAGAAAABQAAADqAQAA4DgAAPAKAACYOgAAEAAAACYAAAAIAAAAAQAAAAAAAAA="/>
+                <pr:smNativeData xmlns:pr="smNativeData" val="SMDATA_13_eIVQYBMAAAAlAAAAZAAAAA0AAAAAAAAAAAAAAAAAAAAAAAAAAAAAAAAAAAAAAAAAAAEAAABQAAAAAAAAAAAA4D8AAAAAAADgPwAAAAAAAOA/AAAAAAAA4D8AAAAAAADgPwAAAAAAAOA/AAAAAAAA4D8AAAAAAADgPwAAAAAAAOA/AAAAAAAA4D8CAAAAjAAAAAAAAAAAAAAA////AP///wgAAAAAAAAAAAAAAAAAAAAAAAAAAAAAAAAAAAAAeAAAAAEAAABAAAAAAAAAAAAAAABaAAAAAAAAAAAAAAAAAAAAAAAAAAAAAAAAAAAAAAAAAAAAAAAAAAAAAAAAAAAAAAAAAAAAAAAAAAAAAAAAAAAAAAAAAAAAAAAAAAAAFAAAADwAAAAAAAAAAAAAAAAAAAAPAAAAAQAAACMAAAAjAAAAIwAAAB4AAAAAAAAAZAAAAGQAAAAAAAAAZAAAAGQAAAAVAAAAYAAAAAAAAAAAAAAADwAAACADAAAAAAAAAAAAAAEAAACgMgAAVgcAAKr4//8BAAAAf39/AAEAAABkAAAAAAAAABQAAABAHwAAAAAAACYAAAAAAAAAwOD//wAAAAAmAAAAZAAAABYAAABMAAAAAAAAAAAAAAAEAAAAAAAAAAEAAADu7OEKAAAAACgAAAAoAAAAZAAAAGQAAAAAAAAAzMzMAAAAAABQAAAAUAAAAGQAAABkAAAAAAAAABcAAAAUAAAAAAAAAAAAAAD/fwAA/38AAAAAAAAJAAAABAAAAEEAQQAMAAAAEAAAAAAAAAAAAAAAAAAAAAAAAAAeAAAAaAAAAAAAAAAAAAAAAAAAAAAAAAAAAAAAECcAABAnAAAAAAAAAAAAAAAAAAAAAAAAAAAAAAAAAAAAAAAAAAAAABQAAAAAAAAAwMD/AAAAAABkAAAAMgAAAAAAAABkAAAAAAAAAH9/fwAKAAAAHwAAAFQAAAD///8A////AQAAAAAAAAAAAAAAAAAAAAAAAAAAAAAAAAAAAAAAAAAAAAAAAH9/fwDu7OEDzMzMAMDA/wB/f38AAAAAAAAAAAAAAAAAAAAAAAAAAAAhAAAAGAAAABQAAADqAQAA4DgAAPAKAACYOgAAEAAAACYAAAAIAAAAAAAAAAAAAAA="/>
               </a:ext>
             </a:extLst>
           </p:cNvSpPr>
           <p:nvPr>
             <p:ph type="dt" sz="half" idx="2"/>
+          </p:nvPr>
+        </p:nvSpPr>
+        <p:spPr/>
+        <p:txBody>
+          <a:bodyPr/>
+          <a:lstStyle/>
+          <a:p>
+            <a:pPr>
+              <a:defRPr lang="de-de"/>
+            </a:pPr>
+            <a:r>
+              <a:t>26.03.2021</a:t>
+            </a:r>
+          </a:p>
+        </p:txBody>
+      </p:sp>
+      <p:sp>
+        <p:nvSpPr>
+          <p:cNvPr id="5" name="Espace réservé du numéro de diapositive 5"/>
+          <p:cNvSpPr>
+            <a:spLocks noGrp="1" noChangeArrowheads="1"/>
+            <a:extLst>
+              <a:ext uri="smNativeData">
+                <pr:smNativeData xmlns:pr="smNativeData" val="SMDATA_13_eIVQYBMAAAAlAAAAZAAAAA0AAAAAAAAAAAAAAAAAAAAAAAAAAAAAAAAAAAAAAAAAAAEAAABQAAAAAAAAAAAA4D8AAAAAAADgPwAAAAAAAOA/AAAAAAAA4D8AAAAAAADgPwAAAAAAAOA/AAAAAAAA4D8AAAAAAADgPwAAAAAAAOA/AAAAAAAA4D8CAAAAjAAAAAAAAAAAAAAA////AP///wgAAAAAAAAAAAAAAAAAAAAAAAAAAAAAAAAAAAAAeAAAAAEAAABAAAAAAAAAAAAAAABaAAAAAAAAAAAAAAAAAAAAAAAAAAAAAAAAAAAAAAAAAAAAAAAAAAAAAAAAAAAAAAAAAAAAAAAAAAAAAAAAAAAAAAAAAAAAAAAAAAAAFAAAADwAAAAAAAAAAAAAAAAAAAAPAAAAAQAAACMAAAAjAAAAIwAAAB4AAAAAAAAAZAAAAGQAAAAAAAAAZAAAAGQAAAAVAAAAYAAAAAAAAAAAAAAADwAAACADAAAAAAAAAAAAAAEAAACgMgAAVgcAAKr4//8BAAAAf39/AAEAAABkAAAAAAAAABQAAABAHwAAAAAAACYAAAAAAAAAwOD//wAAAAAmAAAAZAAAABYAAABMAAAAAAAAAAAAAAAEAAAAAAAAAAEAAADu7OEKAAAAACgAAAAoAAAAZAAAAGQAAAAAAAAAzMzMAAAAAABQAAAAUAAAAGQAAABkAAAAAAAAABcAAAAUAAAAAAAAAAAAAAD/fwAA/38AAAAAAAAJAAAABAAAAEEAQQAMAAAAEAAAAAAAAAAAAAAAAAAAAAAAAAAeAAAAaAAAAAAAAAAAAAAAAAAAAAAAAAAAAAAAECcAABAnAAAAAAAAAAAAAAAAAAAAAAAAAAAAAAAAAAAAAAAAAAAAABQAAAAAAAAAwMD/AAAAAABkAAAAMgAAAAAAAABkAAAAAAAAAH9/fwAKAAAAHwAAAFQAAAD///8A////AQAAAAAAAAAAAAAAAAAAAAAAAAAAAAAAAAAAAAAAAAAAAAAAAH9/fwDu7OEDzMzMAMDA/wB/f38AAAAAAAAAAAAAAAAAAAAAAAAAAAAhAAAAGAAAABQAAADQSAAAGDkAABZOAACYOgAAEAAAACYAAAAIAAAAAAAAAAAAAAA="/>
+              </a:ext>
+            </a:extLst>
+          </p:cNvSpPr>
+          <p:nvPr>
+            <p:ph type="sldNum" sz="quarter" idx="4"/>
+          </p:nvPr>
+        </p:nvSpPr>
+        <p:spPr/>
+        <p:txBody>
+          <a:bodyPr/>
+          <a:lstStyle/>
+          <a:p>
+            <a:pPr>
+              <a:defRPr lang="de-de"/>
+            </a:pPr>
+            <a:fld id="{26FC97FF-B1CB-A961-8544-4734D90A7312}" type="slidenum">
+              <a:t>8</a:t>
+            </a:fld>
+          </a:p>
+        </p:txBody>
+      </p:sp>
+    </p:spTree>
+  </p:cSld>
+  <p:clrMapOvr>
+    <a:masterClrMapping/>
+  </p:clrMapOvr>
+  <p:timing>
+    <p:tnLst>
+      <p:par>
+        <p:cTn id="1" dur="indefinite" restart="never" nodeType="tmRoot"/>
+      </p:par>
+    </p:tnLst>
+  </p:timing>
+</p:sld>
+</file>
+
+<file path=ppt/slides/slide9.xml><?xml version="1.0" encoding="utf-8"?>
+<p:sld xmlns:p="http://schemas.openxmlformats.org/presentationml/2006/main" xmlns:p14="http://schemas.microsoft.com/office/powerpoint/2010/main" xmlns:r="http://schemas.openxmlformats.org/officeDocument/2006/relationships" xmlns:a="http://schemas.openxmlformats.org/drawingml/2006/main">
+  <p:cSld>
+    <p:spTree>
+      <p:nvGrpSpPr>
+        <p:cNvPr id="1" name=""/>
+        <p:cNvGrpSpPr/>
+        <p:nvPr/>
+      </p:nvGrpSpPr>
+      <p:grpSpPr>
+        <a:xfrm>
+          <a:off x="0" y="0"/>
+          <a:ext cx="0" cy="0"/>
+          <a:chOff x="0" y="0"/>
+          <a:chExt cx="0" cy="0"/>
+        </a:xfrm>
+      </p:grpSpPr>
+      <p:sp>
+        <p:nvSpPr>
+          <p:cNvPr id="2" name="Titre 1"/>
+          <p:cNvSpPr>
+            <a:spLocks noGrp="1" noChangeArrowheads="1"/>
+            <a:extLst>
+              <a:ext uri="smNativeData">
+                <pr:smNativeData xmlns:pr="smNativeData" val="SMDATA_13_eIVQYBMAAAAlAAAAZAAAAA0AAAAAAAAAAAAAAAAAAAAAAAAAAAAAAAAAAAAAAAAAAAEAAABQAAAAAAAAAAAA4D8AAAAAAADgPwAAAAAAAOA/AAAAAAAA4D8AAAAAAADgPwAAAAAAAOA/AAAAAAAA4D8AAAAAAADgPwAAAAAAAOA/AAAAAAAA4D8CAAAAjAAAAAAAAAAAAAAA////AP///wgAAAAAAAAAAAAAAAAAAAAAAAAAAAAAAAAAAAAAeAAAAAEAAABAAAAAAAAAAAAAAABaAAAAAAAAAAAAAAAAAAAAAAAAAAAAAAAAAAAAAAAAAAAAAAAAAAAAAAAAAAAAAAAAAAAAAAAAAAAAAAAAAAAAAAAAAAAAAAAAAAAAFAAAADwAAAAAAAAAAAAAAAAAAAAPAAAAAQAAACMAAAAjAAAAIwAAAB4AAAAAAAAAZAAAAGQAAAAAAAAAZAAAAGQAAAAVAAAAYAAAAAAAAAAAAAAADwAAACADAAAAAAAAAAAAAAEAAACgMgAAVgcAAKr4//8BAAAAf39/AAEAAABkAAAAAAAAABQAAABAHwAAAAAAACYAAAAAAAAAwOD//wAAAAAmAAAAZAAAABYAAABMAAAAAAAAAAAAAAAEAAAAAAAAAAEAAADu7OEKAAAAACgAAAAoAAAAZAAAAGQAAAAAAAAAzMzMAAAAAABQAAAAUAAAAGQAAABkAAAAAAAAABcAAAAUAAAAAAAAAAAAAAD/fwAA/38AAAAAAAAJAAAABAAAAEEAQQAMAAAAEAAAAAAAAAAAAAAAAAAAAAAAAAAeAAAAaAAAAAAAAAAAAAAAAAAAAAAAAAAAAAAAECcAABAnAAAAAAAAAAAAAAAAAAAAAAAAAAAAAAAAAAAAAAAAAAAAABQAAAAAAAAAwMD/AAAAAABkAAAAMgAAAAAAAABkAAAAAAAAAH9/fwAKAAAAHwAAAFQAAAD///8A////AQAAAAAAAAAAAAAAAAAAAAAAAAAAAAAAAAAAAAAAAAAAAAAAAH9/fwDu7OEDzMzMAMDA/wB/f38AAAAAAAAAAAAAAAAAAAAAAAAAAAAhAAAAGAAAABQAAADIBQAAiQsAAHpIAACpDwAAEAAAACYAAAAIAAAAAQAAAAAAAAA="/>
+              </a:ext>
+            </a:extLst>
+          </p:cNvSpPr>
+          <p:nvPr>
+            <p:ph type="title"/>
           </p:nvPr>
         </p:nvSpPr>
         <p:spPr>
           <a:xfrm>
-            <a:off x="311150" y="9245600"/>
-            <a:ext cx="1466850" cy="279400"/>
+            <a:off x="939800" y="1875155"/>
+            <a:ext cx="10841990" cy="670560"/>
           </a:xfrm>
         </p:spPr>
         <p:txBody>
@@ -9572,27 +9275,136 @@
           <a:lstStyle/>
           <a:p>
             <a:pPr>
-              <a:defRPr lang="de-de"/>
-            </a:pPr>
-            <a:r>
-              <a:t>26.03.2021</a:t>
-            </a:r>
-          </a:p>
-        </p:txBody>
-      </p:sp>
-      <p:sp>
-        <p:nvSpPr>
-          <p:cNvPr id="5" name="Espace réservé du numéro de diapositive 5"/>
-          <p:cNvSpPr>
-            <a:spLocks noGrp="1" noChangeArrowheads="1"/>
-            <a:extLst>
-              <a:ext uri="smNativeData">
-                <pr:smNativeData xmlns:pr="smNativeData" xmlns:p14="http://schemas.microsoft.com/office/powerpoint/2010/main" xmlns="" val="SMDATA_13_ec9PYBMAAAAlAAAAZAAAAA0AAAAAAAAAAAAAAAAAAAAAAAAAAAAAAAAAAAAAAAAAAAEAAABQAAAAAAAAAAAA4D8AAAAAAADgPwAAAAAAAOA/AAAAAAAA4D8AAAAAAADgPwAAAAAAAOA/AAAAAAAA4D8AAAAAAADgPwAAAAAAAOA/AAAAAAAA4D8CAAAAjAAAAAAAAAAAAAAAT4G9DP///wgAAAAAAAAAAAAAAAAAAAAAAAAAAAAAAAAAAAAAZAAAAAEAAABAAAAAAAAAAAAAAAAAAAAAAAAAAAAAAAAAAAAAAAAAAAAAAAAAAAAAAAAAAAAAAAAAAAAAAAAAAAAAAAAAAAAAAAAAAAAAAAAAAAAAAAAAAAAAAAAAAAAAFAAAADwAAAAAAAAAAAAAAAAAAAkUAAAAAQAAABQAAAAUAAAAFAAAAAEAAAAAAAAAZAAAAGQAAAAAAAAAZAAAAGQAAAAVAAAAYAAAAAAAAAAAAAAADwAAACADAAAAAAAAAAAAAAEAAACgMgAAVgcAAKr4//8BAAAAf39/AAEAAABkAAAAAAAAABQAAABAHwAAAAAAACYAAAAAAAAAwOD//wAAAAAmAAAAZAAAABYAAABMAAAAAAAAAAAAAAAEAAAAAAAAAAEAAADu7OEKAAAAACgAAAAoAAAAZAAAAGQAAAAAAAAAzMzMAAAAAABQAAAAUAAAAGQAAABkAAAAAAAAABcAAAAUAAAAAAAAAAAAAAD/fwAA/38AAAAAAAAJAAAABAAAAEgDAAAMAAAAEAAAAAAAAAAAAAAAAAAAAAAAAAAeAAAAaAAAAAAAAAAAAAAAAAAAAAAAAAAAAAAAECcAABAnAAAAAAAAAAAAAAAAAAAAAAAAAAAAAAAAAAAAAAAAAAAAABQAAAAAAAAAwMD/AAAAAABkAAAAMgAAAAAAAABkAAAAAAAAAH9/fwAKAAAAHwAAAFQAAABPgb0F////AQAAAAAAAAAAAAAAAAAAAAAAAAAAAAAAAAAAAAAAAAAAAAAAAn9/fwDu7OEDzMzMAMDA/wB/f38AAAAAAAAAAAAAAAAAAAAAAAAAAAAhAAAAGAAAABQAAADQSAAAGDkAABZOAACYOgAAEAAAACYAAAAIAAAAAAAAAAAAAAA="/>
-              </a:ext>
-            </a:extLst>
-          </p:cNvSpPr>
-          <p:nvPr>
-            <p:ph type="sldNum" sz="quarter" idx="4"/>
+              <a:defRPr lang="en-gb"/>
+            </a:pPr>
+            <a:r>
+              <a:t>Approach – System Overview</a:t>
+            </a:r>
+          </a:p>
+        </p:txBody>
+      </p:sp>
+      <p:sp>
+        <p:nvSpPr>
+          <p:cNvPr id="3" name="Espace réservé du texte 2"/>
+          <p:cNvSpPr>
+            <a:spLocks noGrp="1" noChangeArrowheads="1"/>
+            <a:extLst>
+              <a:ext uri="smNativeData">
+                <pr:smNativeData xmlns:pr="smNativeData" val="SMDATA_13_eIVQYBMAAAAlAAAAZAAAAA0AAAAAAAAAAAAAAAAAAAAAAAAAAAAAAAAAAAAAAAAAAAEAAABQAAAAAAAAAAAA4D8AAAAAAADgPwAAAAAAAOA/AAAAAAAA4D8AAAAAAADgPwAAAAAAAOA/AAAAAAAA4D8AAAAAAADgPwAAAAAAAOA/AAAAAAAA4D8CAAAAjAAAAAAAAAAAAAAA////AP///wgAAAAAAAAAAAAAAAAAAAAAAAAAAAAAAAAAAAAAeAAAAAEAAABAAAAAAAAAAAAAAABaAAAAAAAAAAAAAAAAAAAAAAAAAAAAAAAAAAAAAAAAAAAAAAAAAAAAAAAAAAAAAAAAAAAAAAAAAAAAAAAAAAAAAAAAAAAAAAAAAAAAFAAAADwAAAAAAAAAAAAAAAAAAAAPAAAAAQAAACMAAAAjAAAAIwAAAB4AAAAAAAAAZAAAAGQAAAAAAAAAZAAAAGQAAAAVAAAAYAAAAAAAAAAAAAAADwAAACADAAAAAAAAAAAAAAEAAACgMgAAVgcAAKr4//8BAAAAf39/AAEAAABkAAAAAAAAABQAAABAHwAAAAAAACYAAAAAAAAAwOD//wAAAAAmAAAAZAAAABYAAABMAAAAAAAAAAAAAAAEAAAAAAAAAAEAAADu7OEKAAAAACgAAAAoAAAAZAAAAGQAAAAAAAAAzMzMAAAAAABQAAAAUAAAAGQAAABkAAAAAAAAABcAAAAUAAAAAAAAAAAAAAD/fwAA/38AAAAAAAAJAAAABAAAAEEAQQAMAAAAEAAAAAAAAAAAAAAAAAAAAAAAAAAeAAAAaAAAAAAAAAAAAAAAAAAAAAAAAAAAAAAAECcAABAnAAAAAAAAAAAAAAAAAAAAAAAAAAAAAAAAAAAAAAAAAAAAABQAAAAAAAAAwMD/AAAAAABkAAAAMgAAAAAAAABkAAAAAAAAAH9/fwAKAAAAHwAAAFQAAAD///8A////AQAAAAAAAAAAAAAAAAAAAAAAAAAAAAAAAAAAAAAAAAAAAAAAAH9/fwDu7OEDzMzMAMDA/wB/f38AAAAAAAAAAAAAAAAAAAAAAAAAAAAhAAAAGAAAABQAAADIBQAAwBIAAHpIAACQGwAAEAAAACYAAAAIAAAAAYAAAAAAAAA="/>
+              </a:ext>
+            </a:extLst>
+          </p:cNvSpPr>
+          <p:nvPr>
+            <p:ph type="body" idx="1"/>
+          </p:nvPr>
+        </p:nvSpPr>
+        <p:spPr>
+          <a:xfrm>
+            <a:off x="939800" y="3048000"/>
+            <a:ext cx="10841990" cy="1432560"/>
+          </a:xfrm>
+        </p:spPr>
+        <p:txBody>
+          <a:bodyPr/>
+          <a:lstStyle>
+            <a:lvl1pPr marL="0" indent="360680" defTabSz="360045">
+              <a:lnSpc>
+                <a:spcPct val="150000"/>
+              </a:lnSpc>
+              <a:spcAft>
+                <a:spcPts val="600"/>
+              </a:spcAft>
+              <a:buClr>
+                <a:schemeClr val="accent1"/>
+              </a:buClr>
+              <a:buSzPts val="2910"/>
+              <a:buFont typeface="Wingdings" pitchFamily="0" charset="0"/>
+              <a:buChar char="§"/>
+              <a:tabLst/>
+              <a:defRPr lang="de-de" sz="2800" b="0" i="0" baseline="0">
+                <a:solidFill>
+                  <a:srgbClr val="595959"/>
+                </a:solidFill>
+                <a:latin typeface="Calibri" pitchFamily="2" charset="0"/>
+                <a:ea typeface="Calibri" pitchFamily="2" charset="0"/>
+                <a:cs typeface="Calibri" pitchFamily="2" charset="0"/>
+              </a:defRPr>
+            </a:lvl1pPr>
+            <a:lvl2pPr marL="742950" indent="-285750">
+              <a:lnSpc>
+                <a:spcPct val="150000"/>
+              </a:lnSpc>
+              <a:buFont typeface="Arial" pitchFamily="2" charset="0"/>
+              <a:buChar char="•"/>
+              <a:defRPr lang="de-de" sz="2400" b="0" i="0" baseline="0">
+                <a:solidFill>
+                  <a:srgbClr val="595959"/>
+                </a:solidFill>
+                <a:latin typeface="Calibri" pitchFamily="2" charset="0"/>
+                <a:ea typeface="Calibri" pitchFamily="2" charset="0"/>
+                <a:cs typeface="Calibri" pitchFamily="2" charset="0"/>
+              </a:defRPr>
+            </a:lvl2pPr>
+            <a:lvl3pPr marL="1200150" indent="-285750">
+              <a:lnSpc>
+                <a:spcPct val="150000"/>
+              </a:lnSpc>
+              <a:buFont typeface="Wingdings" pitchFamily="0" charset="0"/>
+              <a:buChar char="§"/>
+              <a:defRPr lang="de-de" sz="2000" b="0" i="0" baseline="0">
+                <a:solidFill>
+                  <a:srgbClr val="595959"/>
+                </a:solidFill>
+                <a:latin typeface="Calibri" pitchFamily="2" charset="0"/>
+                <a:ea typeface="Calibri" pitchFamily="2" charset="0"/>
+                <a:cs typeface="Calibri" pitchFamily="2" charset="0"/>
+              </a:defRPr>
+            </a:lvl3pPr>
+            <a:lvl4pPr>
+              <a:defRPr lang="de-de"/>
+            </a:lvl4pPr>
+            <a:lvl5pPr>
+              <a:defRPr lang="de-de"/>
+            </a:lvl5pPr>
+            <a:lvl6pPr>
+              <a:defRPr lang="de-de"/>
+            </a:lvl6pPr>
+            <a:lvl7pPr>
+              <a:defRPr lang="de-de"/>
+            </a:lvl7pPr>
+            <a:lvl8pPr>
+              <a:defRPr lang="de-de"/>
+            </a:lvl8pPr>
+            <a:lvl9pPr>
+              <a:defRPr lang="de-de"/>
+            </a:lvl9pPr>
+          </a:lstStyle>
+          <a:p>
+            <a:pPr>
+              <a:defRPr lang="de-de"/>
+            </a:pPr>
+          </a:p>
+          <a:p>
+            <a:pPr>
+              <a:defRPr lang="de-de"/>
+            </a:pPr>
+            <a:endParaRPr lang="en-gb"/>
+          </a:p>
+        </p:txBody>
+      </p:sp>
+      <p:sp>
+        <p:nvSpPr>
+          <p:cNvPr id="4" name="Espace réservé de la date 4"/>
+          <p:cNvSpPr>
+            <a:spLocks noGrp="1" noChangeArrowheads="1"/>
+            <a:extLst>
+              <a:ext uri="smNativeData">
+                <pr:smNativeData xmlns:pr="smNativeData" val="SMDATA_13_eIVQYBMAAAAlAAAAZAAAAA0AAAAAAAAAAAAAAAAAAAAAAAAAAAAAAAAAAAAAAAAAAAEAAABQAAAAAAAAAAAA4D8AAAAAAADgPwAAAAAAAOA/AAAAAAAA4D8AAAAAAADgPwAAAAAAAOA/AAAAAAAA4D8AAAAAAADgPwAAAAAAAOA/AAAAAAAA4D8CAAAAjAAAAAAAAAAAAAAA////AP///wgAAAAAAAAAAAAAAAAAAAAAAAAAAAAAAAAAAAAAeAAAAAEAAABAAAAAAAAAAAAAAABaAAAAAAAAAAAAAAAAAAAAAAAAAAAAAAAAAAAAAAAAAAAAAAAAAAAAAAAAAAAAAAAAAAAAAAAAAAAAAAAAAAAAAAAAAAAAAAAAAAAAFAAAADwAAAAAAAAAAAAAAAAAAAAPAAAAAQAAACMAAAAjAAAAIwAAAB4AAAAAAAAAZAAAAGQAAAAAAAAAZAAAAGQAAAAVAAAAYAAAAAAAAAAAAAAADwAAACADAAAAAAAAAAAAAAEAAACgMgAAVgcAAKr4//8BAAAAf39/AAEAAABkAAAAAAAAABQAAABAHwAAAAAAACYAAAAAAAAAwOD//wAAAAAmAAAAZAAAABYAAABMAAAAAAAAAAAAAAAEAAAAAAAAAAEAAADu7OEKAAAAACgAAAAoAAAAZAAAAGQAAAAAAAAAzMzMAAAAAABQAAAAUAAAAGQAAABkAAAAAAAAABcAAAAUAAAAAAAAAAAAAAD/fwAA/38AAAAAAAAJAAAABAAAAAAAAAAMAAAAEAAAAAAAAAAAAAAAAAAAAAAAAAAeAAAAaAAAAAAAAAAAAAAAAAAAAAAAAAAAAAAAECcAABAnAAAAAAAAAAAAAAAAAAAAAAAAAAAAAAAAAAAAAAAAAAAAABQAAAAAAAAAwMD/AAAAAABkAAAAMgAAAAAAAABkAAAAAAAAAH9/fwAKAAAAHwAAAFQAAAD///8A////AQAAAAAAAAAAAAAAAAAAAAAAAAAAAAAAAAAAAAAAAAAAAAAAAH9/fwDu7OEDzMzMAMDA/wB/f38AAAAAAAAAAAAAAAAAAAAAAAAAAAAhAAAAGAAAABQAAADqAQAA4DgAAPAKAACYOgAAEAAAACYAAAAIAAAAAAAAAAAAAAA="/>
+              </a:ext>
+            </a:extLst>
+          </p:cNvSpPr>
+          <p:nvPr>
+            <p:ph type="dt" sz="half" idx="2"/>
           </p:nvPr>
         </p:nvSpPr>
         <p:spPr/>
@@ -9603,47 +9415,73 @@
             <a:pPr>
               <a:defRPr lang="de-de"/>
             </a:pPr>
-            <a:fld id="{470D4CB7-F9AA-58BA-E4B5-0FEF02FB125A}" type="slidenum">
+            <a:r>
+              <a:t>26.03.2021</a:t>
+            </a:r>
+          </a:p>
+        </p:txBody>
+      </p:sp>
+      <p:sp>
+        <p:nvSpPr>
+          <p:cNvPr id="5" name="Espace réservé du numéro de diapositive 5"/>
+          <p:cNvSpPr>
+            <a:spLocks noGrp="1" noChangeArrowheads="1"/>
+            <a:extLst>
+              <a:ext uri="smNativeData">
+                <pr:smNativeData xmlns:pr="smNativeData" val="SMDATA_13_eIVQYBMAAAAlAAAAZAAAAA0AAAAAAAAAAAAAAAAAAAAAAAAAAAAAAAAAAAAAAAAAAAEAAABQAAAAAAAAAAAA4D8AAAAAAADgPwAAAAAAAOA/AAAAAAAA4D8AAAAAAADgPwAAAAAAAOA/AAAAAAAA4D8AAAAAAADgPwAAAAAAAOA/AAAAAAAA4D8CAAAAjAAAAAAAAAAAAAAA////AP///wgAAAAAAAAAAAAAAAAAAAAAAAAAAAAAAAAAAAAAeAAAAAEAAABAAAAAAAAAAAAAAABaAAAAAAAAAAAAAAAAAAAAAAAAAAAAAAAAAAAAAAAAAAAAAAAAAAAAAAAAAAAAAAAAAAAAAAAAAAAAAAAAAAAAAAAAAAAAAAAAAAAAFAAAADwAAAAAAAAAAAAAAAAAAAAPAAAAAQAAACMAAAAjAAAAIwAAAB4AAAAAAAAAZAAAAGQAAAAAAAAAZAAAAGQAAAAVAAAAYAAAAAAAAAAAAAAADwAAACADAAAAAAAAAAAAAAEAAACgMgAAVgcAAKr4//8BAAAAf39/AAEAAABkAAAAAAAAABQAAABAHwAAAAAAACYAAAAAAAAAwOD//wAAAAAmAAAAZAAAABYAAABMAAAAAAAAAAAAAAAEAAAAAAAAAAEAAADu7OEKAAAAACgAAAAoAAAAZAAAAGQAAAAAAAAAzMzMAAAAAABQAAAAUAAAAGQAAABkAAAAAAAAABcAAAAUAAAAAAAAAAAAAAD/fwAA/38AAAAAAAAJAAAABAAAAAAAAAAMAAAAEAAAAAAAAAAAAAAAAAAAAAAAAAAeAAAAaAAAAAAAAAAAAAAAAAAAAAAAAAAAAAAAECcAABAnAAAAAAAAAAAAAAAAAAAAAAAAAAAAAAAAAAAAAAAAAAAAABQAAAAAAAAAwMD/AAAAAABkAAAAMgAAAAAAAABkAAAAAAAAAH9/fwAKAAAAHwAAAFQAAAD///8A////AQAAAAAAAAAAAAAAAAAAAAAAAAAAAAAAAAAAAAAAAAAAAAAAAH9/fwDu7OEDzMzMAMDA/wB/f38AAAAAAAAAAAAAAAAAAAAAAAAAAAAhAAAAGAAAABQAAADQSAAAGDkAABZOAACYOgAAEAAAACYAAAAIAAAAAAAAAAAAAAA="/>
+              </a:ext>
+            </a:extLst>
+          </p:cNvSpPr>
+          <p:nvPr>
+            <p:ph type="sldNum" sz="quarter" idx="4"/>
+          </p:nvPr>
+        </p:nvSpPr>
+        <p:spPr/>
+        <p:txBody>
+          <a:bodyPr/>
+          <a:lstStyle/>
+          <a:p>
+            <a:pPr>
+              <a:defRPr lang="de-de"/>
+            </a:pPr>
+            <a:fld id="{2C0B76C9-87C1-5E80-8FB3-71D538FD7924}" type="slidenum">
               <a:t>9</a:t>
             </a:fld>
-            <a:endParaRPr/>
           </a:p>
         </p:txBody>
       </p:sp>
       <p:pic>
         <p:nvPicPr>
-          <p:cNvPr id="9" name="Picture 8">
-            <a:extLst>
-              <a:ext uri="{FF2B5EF4-FFF2-40B4-BE49-F238E27FC236}">
-                <a16:creationId xmlns:a16="http://schemas.microsoft.com/office/drawing/2014/main" id="{CF0E311A-6ADD-4966-B3C5-29A078ABA39C}"/>
-              </a:ext>
-            </a:extLst>
-          </p:cNvPr>
+          <p:cNvPr id="6" name="Picture 8"/>
           <p:cNvPicPr>
             <a:picLocks noChangeAspect="1"/>
+            <a:extLst>
+              <a:ext uri="smNativeData">
+                <pr:smNativeData xmlns:pr="smNativeData" val="SMDATA_15_eIVQYBMAAAAlAAAAEQAAAC0AAAAAkAAAAEgAAACQAAAASAAAAAAAAAAAAAAAAAAAAAEAAABQAAAAAAAAAAAA4D8AAAAAAADgPwAAAAAAAOA/AAAAAAAA4D8AAAAAAADgPwAAAAAAAOA/AAAAAAAA4D8AAAAAAADgPwAAAAAAAOA/AAAAAAAA4D8CAAAAjAAAAAAAAAAAAAAAT4G9DP///wgAAAAAAAAAAAAAAAAAAAAAAAAAAAAAAAAAAAAAZAAAAAEAAABAAAAAAAAAAAAAAAAAAAAAAAAAAAAAAAAAAAAAAAAAAAAAAAAAAAAAAAAAAAAAAAAAAAAAAAAAAAAAAAAAAAAAAAAAAAAAAAAAAAAAAAAAAAAAAAAAAAAAFAAAADwAAAAAAAAAAAAAAAAAAAkUAAAAAQAAABQAAAAUAAAAFAAAAAEAAAAAAAAAZAAAAGQAAAAAAAAAZAAAAGQAAAAVAAAAYAAAAAAAAAAAAAAADwAAACADAAAAAAAAAAAAAAEAAACgMgAAVgcAAKr4//8BAAAAf39/AAEAAABkAAAAAAAAABQAAABAHwAAAAAAACYAAAAAAAAAwOD//wAAAAAmAAAAZAAAABYAAABMAAAAAAAAAAAAAAAEAAAAAAAAAAEAAADu7OEKAAAAACgAAAAoAAAAZAAAAGQAAAAAAAAAzMzMAAAAAABQAAAAUAAAAGQAAABkAAAAAAAAAAcAAAA4AAAAAAAAAAAAAAAAAAAA////AAAAAAAAAAAAAAAAAAAAAAAAAAAAAAAAAAAAAABkAAAAZAAAAAAAAAAjAAAABAAAAGQAAAAXAAAAFAAAAAAAAAAAAAAA/38AAP9/AAAAAAAACQAAAAQAAAAAAAAADAAAABAAAAAAAAAAAAAAAAAAAAAAAAAAHgAAAGgAAAAAAAAAAAAAAAAAAAAAAAAAAAAAABAnAAAQJwAAAAAAAAAAAAAAAAAAAAAAAAAAAAAAAAAAAAAAAAAAAAAUAAAAAAAAAMDA/wAAAAAAZAAAADIAAAAAAAAAZAAAAAAAAAB/f38ACgAAAB8AAABUAAAAT4G9Bf///wEAAAAAAAAAAAAAAAAAAAAAAAAAAAAAAAAAAAAAAAAAAAAAAAJ/f38A7uzhA8zMzADAwP8Af39/AAAAAAAAAAAAAAAAAP///wAAAAAAIQAAABgAAAAUAAAAGAIAAKQRAAAUTQAA3jQAABAAAAAmAAAACAAAAP//////////"/>
+              </a:ext>
+            </a:extLst>
           </p:cNvPicPr>
           <p:nvPr/>
         </p:nvPicPr>
         <p:blipFill>
-          <a:blip r:embed="rId2">
-            <a:extLst>
-              <a:ext uri="{28A0092B-C50C-407E-A947-70E740481C1C}">
-                <a14:useLocalDpi xmlns:a14="http://schemas.microsoft.com/office/drawing/2010/main" val="0"/>
-              </a:ext>
-            </a:extLst>
-          </a:blip>
+          <a:blip r:embed="rId2"/>
           <a:stretch>
             <a:fillRect/>
           </a:stretch>
         </p:blipFill>
         <p:spPr>
           <a:xfrm>
-            <a:off x="340653" y="2867660"/>
-            <a:ext cx="12189167" cy="5726113"/>
+            <a:off x="340360" y="2867660"/>
+            <a:ext cx="12189460" cy="5726430"/>
           </a:xfrm>
           <a:prstGeom prst="rect">
             <a:avLst/>
           </a:prstGeom>
+          <a:noFill/>
+          <a:ln>
+            <a:noFill/>
+          </a:ln>
+          <a:effectLst/>
         </p:spPr>
       </p:pic>
     </p:spTree>
@@ -9651,6 +9489,13 @@
   <p:clrMapOvr>
     <a:masterClrMapping/>
   </p:clrMapOvr>
+  <p:timing>
+    <p:tnLst>
+      <p:par>
+        <p:cTn id="1" dur="indefinite" restart="never" nodeType="tmRoot"/>
+      </p:par>
+    </p:tnLst>
+  </p:timing>
 </p:sld>
 </file>
 
@@ -9907,6 +9752,47 @@
   <a:extraClrSchemeLst>
     <a:extraClrScheme>
       <a:clrScheme name="Presentation 1">
+        <a:dk1>
+          <a:srgbClr val="000000"/>
+        </a:dk1>
+        <a:lt1>
+          <a:srgbClr val="FFFFFF"/>
+        </a:lt1>
+        <a:dk2>
+          <a:srgbClr val="1F497D"/>
+        </a:dk2>
+        <a:lt2>
+          <a:srgbClr val="EEECE1"/>
+        </a:lt2>
+        <a:accent1>
+          <a:srgbClr val="4F81BD"/>
+        </a:accent1>
+        <a:accent2>
+          <a:srgbClr val="C0504D"/>
+        </a:accent2>
+        <a:accent3>
+          <a:srgbClr val="9BBB59"/>
+        </a:accent3>
+        <a:accent4>
+          <a:srgbClr val="8064A2"/>
+        </a:accent4>
+        <a:accent5>
+          <a:srgbClr val="4BACC6"/>
+        </a:accent5>
+        <a:accent6>
+          <a:srgbClr val="F79646"/>
+        </a:accent6>
+        <a:hlink>
+          <a:srgbClr val="0000FF"/>
+        </a:hlink>
+        <a:folHlink>
+          <a:srgbClr val="800080"/>
+        </a:folHlink>
+      </a:clrScheme>
+      <a:clrMap bg1="lt1" tx1="dk1" bg2="lt2" tx2="dk2" accent1="accent1" accent2="accent2" accent3="accent3" accent4="accent4" accent5="accent5" accent6="accent6" hlink="hlink" folHlink="folHlink"/>
+    </a:extraClrScheme>
+    <a:extraClrScheme>
+      <a:clrScheme name="Presentation 2">
         <a:dk1>
           <a:srgbClr val="000000"/>
         </a:dk1>
@@ -10242,6 +10128,47 @@
       </a:clrScheme>
       <a:clrMap bg1="lt1" tx1="dk1" bg2="lt2" tx2="dk2" accent1="accent1" accent2="accent2" accent3="accent3" accent4="accent4" accent5="accent5" accent6="accent6" hlink="hlink" folHlink="folHlink"/>
     </a:extraClrScheme>
+    <a:extraClrScheme>
+      <a:clrScheme name="Presentation 2">
+        <a:dk1>
+          <a:srgbClr val="000000"/>
+        </a:dk1>
+        <a:lt1>
+          <a:srgbClr val="FFFFFF"/>
+        </a:lt1>
+        <a:dk2>
+          <a:srgbClr val="1F497D"/>
+        </a:dk2>
+        <a:lt2>
+          <a:srgbClr val="EEECE1"/>
+        </a:lt2>
+        <a:accent1>
+          <a:srgbClr val="4F81BD"/>
+        </a:accent1>
+        <a:accent2>
+          <a:srgbClr val="C0504D"/>
+        </a:accent2>
+        <a:accent3>
+          <a:srgbClr val="9BBB59"/>
+        </a:accent3>
+        <a:accent4>
+          <a:srgbClr val="8064A2"/>
+        </a:accent4>
+        <a:accent5>
+          <a:srgbClr val="4BACC6"/>
+        </a:accent5>
+        <a:accent6>
+          <a:srgbClr val="F79646"/>
+        </a:accent6>
+        <a:hlink>
+          <a:srgbClr val="0000FF"/>
+        </a:hlink>
+        <a:folHlink>
+          <a:srgbClr val="800080"/>
+        </a:folHlink>
+      </a:clrScheme>
+      <a:clrMap bg1="lt1" tx1="dk1" bg2="lt2" tx2="dk2" accent1="accent1" accent2="accent2" accent3="accent3" accent4="accent4" accent5="accent5" accent6="accent6" hlink="hlink" folHlink="folHlink"/>
+    </a:extraClrScheme>
   </a:extraClrSchemeLst>
 </a:theme>
 </file>
@@ -10538,6 +10465,47 @@
       </a:clrScheme>
       <a:clrMap bg1="lt1" tx1="dk1" bg2="lt2" tx2="dk2" accent1="accent1" accent2="accent2" accent3="accent3" accent4="accent4" accent5="accent5" accent6="accent6" hlink="hlink" folHlink="folHlink"/>
     </a:extraClrScheme>
+    <a:extraClrScheme>
+      <a:clrScheme name="Presentation 2">
+        <a:dk1>
+          <a:srgbClr val="000000"/>
+        </a:dk1>
+        <a:lt1>
+          <a:srgbClr val="FFFFFF"/>
+        </a:lt1>
+        <a:dk2>
+          <a:srgbClr val="1F497D"/>
+        </a:dk2>
+        <a:lt2>
+          <a:srgbClr val="EEECE1"/>
+        </a:lt2>
+        <a:accent1>
+          <a:srgbClr val="4F81BD"/>
+        </a:accent1>
+        <a:accent2>
+          <a:srgbClr val="C0504D"/>
+        </a:accent2>
+        <a:accent3>
+          <a:srgbClr val="9BBB59"/>
+        </a:accent3>
+        <a:accent4>
+          <a:srgbClr val="8064A2"/>
+        </a:accent4>
+        <a:accent5>
+          <a:srgbClr val="4BACC6"/>
+        </a:accent5>
+        <a:accent6>
+          <a:srgbClr val="F79646"/>
+        </a:accent6>
+        <a:hlink>
+          <a:srgbClr val="0000FF"/>
+        </a:hlink>
+        <a:folHlink>
+          <a:srgbClr val="800080"/>
+        </a:folHlink>
+      </a:clrScheme>
+      <a:clrMap bg1="lt1" tx1="dk1" bg2="lt2" tx2="dk2" accent1="accent1" accent2="accent2" accent3="accent3" accent4="accent4" accent5="accent5" accent6="accent6" hlink="hlink" folHlink="folHlink"/>
+    </a:extraClrScheme>
   </a:extraClrSchemeLst>
 </a:theme>
 </file>

--- a/Presentation/Presentation.pptx
+++ b/Presentation/Presentation.pptx
@@ -1,34 +1,33 @@
 
 <file path=ppt/presentation.xml><?xml version="1.0" encoding="utf-8"?>
-<p:presentation xmlns:p="http://schemas.openxmlformats.org/presentationml/2006/main" xmlns:p14="http://schemas.microsoft.com/office/powerpoint/2010/main" xmlns:r="http://schemas.openxmlformats.org/officeDocument/2006/relationships" xmlns:a="http://schemas.openxmlformats.org/drawingml/2006/main" showSpecialPlsOnTitleSld="0">
+<p:presentation xmlns:a="http://schemas.openxmlformats.org/drawingml/2006/main" xmlns:r="http://schemas.openxmlformats.org/officeDocument/2006/relationships" xmlns:p="http://schemas.openxmlformats.org/presentationml/2006/main" showSpecialPlsOnTitleSld="0">
   <p:sldMasterIdLst>
-    <p:sldMasterId id="2147483648" r:id="rId5"/>
+    <p:sldMasterId id="2147483648" r:id="rId1"/>
   </p:sldMasterIdLst>
   <p:notesMasterIdLst>
-    <p:notesMasterId r:id="rId6"/>
+    <p:notesMasterId r:id="rId19"/>
   </p:notesMasterIdLst>
   <p:handoutMasterIdLst>
-    <p:handoutMasterId r:id="rId7"/>
+    <p:handoutMasterId r:id="rId20"/>
   </p:handoutMasterIdLst>
   <p:sldIdLst>
-    <p:sldId id="276" r:id="rId8"/>
-    <p:sldId id="262" r:id="rId9"/>
-    <p:sldId id="301" r:id="rId10"/>
-    <p:sldId id="300" r:id="rId11"/>
-    <p:sldId id="293" r:id="rId12"/>
-    <p:sldId id="299" r:id="rId13"/>
-    <p:sldId id="292" r:id="rId14"/>
-    <p:sldId id="302" r:id="rId15"/>
-    <p:sldId id="291" r:id="rId16"/>
-    <p:sldId id="294" r:id="rId17"/>
-    <p:sldId id="295" r:id="rId18"/>
-    <p:sldId id="296" r:id="rId19"/>
-    <p:sldId id="297" r:id="rId20"/>
-    <p:sldId id="289" r:id="rId21"/>
-    <p:sldId id="290" r:id="rId22"/>
-    <p:sldId id="284" r:id="rId23"/>
-    <p:sldId id="287" r:id="rId24"/>
-    <p:sldId id="288" r:id="rId25"/>
+    <p:sldId id="276" r:id="rId2"/>
+    <p:sldId id="262" r:id="rId3"/>
+    <p:sldId id="301" r:id="rId4"/>
+    <p:sldId id="300" r:id="rId5"/>
+    <p:sldId id="303" r:id="rId6"/>
+    <p:sldId id="292" r:id="rId7"/>
+    <p:sldId id="302" r:id="rId8"/>
+    <p:sldId id="291" r:id="rId9"/>
+    <p:sldId id="294" r:id="rId10"/>
+    <p:sldId id="304" r:id="rId11"/>
+    <p:sldId id="296" r:id="rId12"/>
+    <p:sldId id="295" r:id="rId13"/>
+    <p:sldId id="289" r:id="rId14"/>
+    <p:sldId id="290" r:id="rId15"/>
+    <p:sldId id="284" r:id="rId16"/>
+    <p:sldId id="287" r:id="rId17"/>
+    <p:sldId id="288" r:id="rId18"/>
   </p:sldIdLst>
   <p:sldSz cx="13004800" cy="9753600"/>
   <p:notesSz cx="13004800" cy="9753600"/>
@@ -232,11 +231,30 @@
       </a:defRPr>
     </a:lvl9pPr>
   </p:defaultTextStyle>
+  <p:extLst>
+    <p:ext uri="{EFAFB233-063F-42B5-8137-9DF3F51BA10A}">
+      <p15:sldGuideLst xmlns:p15="http://schemas.microsoft.com/office/powerpoint/2012/main">
+        <p15:guide id="1" orient="horz" pos="288">
+          <p15:clr>
+            <a:srgbClr val="A4A3A4"/>
+          </p15:clr>
+        </p15:guide>
+        <p15:guide id="2" pos="736">
+          <p15:clr>
+            <a:srgbClr val="A4A3A4"/>
+          </p15:clr>
+        </p15:guide>
+      </p15:sldGuideLst>
+    </p:ext>
+    <p:ext uri="{2D200454-40CA-4A62-9FC3-DE9A4176ACB9}">
+      <p15:notesGuideLst xmlns:p15="http://schemas.microsoft.com/office/powerpoint/2012/main"/>
+    </p:ext>
+  </p:extLst>
 </p:presentation>
 </file>
 
 <file path=ppt/handoutMasters/handoutMaster1.xml><?xml version="1.0" encoding="utf-8"?>
-<p:handoutMaster xmlns:p="http://schemas.openxmlformats.org/presentationml/2006/main" xmlns:p14="http://schemas.microsoft.com/office/powerpoint/2010/main" xmlns:r="http://schemas.openxmlformats.org/officeDocument/2006/relationships" xmlns:a="http://schemas.openxmlformats.org/drawingml/2006/main">
+<p:handoutMaster xmlns:a="http://schemas.openxmlformats.org/drawingml/2006/main" xmlns:r="http://schemas.openxmlformats.org/officeDocument/2006/relationships" xmlns:p="http://schemas.openxmlformats.org/presentationml/2006/main">
   <p:cSld>
     <p:bg>
       <p:bgPr>
@@ -267,7 +285,7 @@
             <a:spLocks noGrp="1" noChangeArrowheads="1"/>
             <a:extLst>
               <a:ext uri="smNativeData">
-                <pr:smNativeData xmlns:pr="smNativeData" val="SMDATA_13_eIVQYBMAAAAlAAAAZAAAAA0AAAAAkAAAAEgAAACQAAAASAAAAAAAAAAAAAAAAAAAAAEAAABQAAAAAAAAAAAA4D8AAAAAAADgPwAAAAAAAOA/AAAAAAAA4D8AAAAAAADgPwAAAAAAAOA/AAAAAAAA4D8AAAAAAADgPwAAAAAAAOA/AAAAAAAA4D8CAAAAjAAAAAAAAAAAAAAA////AP///wgAAAAAAAAAAAAAAAAAAAAAAAAAAAAAAAAAAAAAeAAAAAEAAABAAAAAAAAAAAAAAABaAAAAAAAAAAAAAAAAAAAAAAAAAAAAAAAAAAAAAAAAAAAAAAAAAAAAAAAAAAAAAAAAAAAAAAAAAAAAAAAAAAAAAAAAAAAAAAAAAAAAFAAAADwAAAAAAAAAAAAAAAAAAAAPAAAAAQAAACMAAAAjAAAAIwAAAB4AAAAAAAAAZAAAAGQAAAAAAAAAZAAAAGQAAAAVAAAAYAAAAAAAAAAAAAAADwAAACADAAAAAAAAAAAAAAEAAACgMgAAVgcAAKr4//8BAAAAf39/AAEAAABkAAAAAAAAABQAAABAHwAAAAAAACYAAAAAAAAAwOD//wAAAAAmAAAAZAAAABYAAABMAAAAAAAAAAAAAAAEAAAAAAAAAAEAAADu7OEKAAAAACgAAAAoAAAAZAAAAGQAAAAAAAAAzMzMAAAAAABQAAAAUAAAAGQAAABkAAAAAAAAABcAAAAUAAAAAAAAAAAAAAD/fwAA/38AAAAAAAAJAAAABAAAAEEAQQAMAAAAEAAAAAAAAAAAAAAAAAAAAAAAAAAeAAAAaAAAAAAAAAAAAAAAAAAAAAAAAAAAAAAAECcAABAnAAAAAAAAAAAAAAAAAAAAAAAAAAAAAAAAAAAAAAAAAAAAABQAAAAAAAAAwMD/AAAAAABkAAAAMgAAAAAAAABkAAAAAAAAAH9/fwAKAAAAHwAAAFQAAAD///8AAAAAAQAAAAAAAAAAAAAAAAAAAAAAAAAAAAAAAAAAAAAAAAAAAAAAAH9/fwAAAAADzMzMAMDA/wB/f38AAAAAAAAAAAAAAAAAAAAAAAAAAAAhAAAAGAAAABQAAAAAAAAAAAAAAKsiAAAAAwAAEAAAACYAAAAIAAAAv58AAAAAAAA="/>
+                <pr:smNativeData xmlns:pr="smNativeData" xmlns:p14="http://schemas.microsoft.com/office/powerpoint/2010/main" xmlns="" val="SMDATA_13_eIVQYBMAAAAlAAAAZAAAAA0AAAAAkAAAAEgAAACQAAAASAAAAAAAAAAAAAAAAAAAAAEAAABQAAAAAAAAAAAA4D8AAAAAAADgPwAAAAAAAOA/AAAAAAAA4D8AAAAAAADgPwAAAAAAAOA/AAAAAAAA4D8AAAAAAADgPwAAAAAAAOA/AAAAAAAA4D8CAAAAjAAAAAAAAAAAAAAA////AP///wgAAAAAAAAAAAAAAAAAAAAAAAAAAAAAAAAAAAAAeAAAAAEAAABAAAAAAAAAAAAAAABaAAAAAAAAAAAAAAAAAAAAAAAAAAAAAAAAAAAAAAAAAAAAAAAAAAAAAAAAAAAAAAAAAAAAAAAAAAAAAAAAAAAAAAAAAAAAAAAAAAAAFAAAADwAAAAAAAAAAAAAAAAAAAAPAAAAAQAAACMAAAAjAAAAIwAAAB4AAAAAAAAAZAAAAGQAAAAAAAAAZAAAAGQAAAAVAAAAYAAAAAAAAAAAAAAADwAAACADAAAAAAAAAAAAAAEAAACgMgAAVgcAAKr4//8BAAAAf39/AAEAAABkAAAAAAAAABQAAABAHwAAAAAAACYAAAAAAAAAwOD//wAAAAAmAAAAZAAAABYAAABMAAAAAAAAAAAAAAAEAAAAAAAAAAEAAADu7OEKAAAAACgAAAAoAAAAZAAAAGQAAAAAAAAAzMzMAAAAAABQAAAAUAAAAGQAAABkAAAAAAAAABcAAAAUAAAAAAAAAAAAAAD/fwAA/38AAAAAAAAJAAAABAAAAEEAQQAMAAAAEAAAAAAAAAAAAAAAAAAAAAAAAAAeAAAAaAAAAAAAAAAAAAAAAAAAAAAAAAAAAAAAECcAABAnAAAAAAAAAAAAAAAAAAAAAAAAAAAAAAAAAAAAAAAAAAAAABQAAAAAAAAAwMD/AAAAAABkAAAAMgAAAAAAAABkAAAAAAAAAH9/fwAKAAAAHwAAAFQAAAD///8AAAAAAQAAAAAAAAAAAAAAAAAAAAAAAAAAAAAAAAAAAAAAAAAAAAAAAH9/fwAAAAADzMzMAMDA/wB/f38AAAAAAAAAAAAAAAAAAAAAAAAAAAAhAAAAGAAAABQAAAAAAAAAAAAAAKsiAAAAAwAAEAAAACYAAAAIAAAAv58AAAAAAAA="/>
               </a:ext>
             </a:extLst>
           </p:cNvSpPr>
@@ -323,6 +341,7 @@
             <a:pPr>
               <a:defRPr lang="de-de"/>
             </a:pPr>
+            <a:endParaRPr/>
           </a:p>
         </p:txBody>
       </p:sp>
@@ -333,7 +352,7 @@
             <a:spLocks noGrp="1" noChangeArrowheads="1"/>
             <a:extLst>
               <a:ext uri="smNativeData">
-                <pr:smNativeData xmlns:pr="smNativeData" val="SMDATA_13_eIVQYBMAAAAlAAAAZAAAAA0AAAAAkAAAAEgAAACQAAAASAAAAAAAAAAAAAAAAAAAAAEAAABQAAAAAAAAAAAA4D8AAAAAAADgPwAAAAAAAOA/AAAAAAAA4D8AAAAAAADgPwAAAAAAAOA/AAAAAAAA4D8AAAAAAADgPwAAAAAAAOA/AAAAAAAA4D8CAAAAjAAAAAAAAAAAAAAA////AP///wgAAAAAAAAAAAAAAAAAAAAAAAAAAAAAAAAAAAAAeAAAAAEAAABAAAAAAAAAAAAAAABaAAAAAAAAAAAAAAAAAAAAAAAAAAAAAAAAAAAAAAAAAAAAAAAAAAAAAAAAAAAAAAAAAAAAAAAAAAAAAAAAAAAAAAAAAAAAAAAAAAAAFAAAADwAAAAAAAAAAAAAAAAAAAAPAAAAAQAAACMAAAAjAAAAIwAAAB4AAAAAAAAAZAAAAGQAAAAAAAAAZAAAAGQAAAAVAAAAYAAAAAAAAAAAAAAADwAAACADAAAAAAAAAAAAAAEAAACgMgAAVgcAAKr4//8BAAAAf39/AAEAAABkAAAAAAAAABQAAABAHwAAAAAAACYAAAAAAAAAwOD//wAAAAAmAAAAZAAAABYAAABMAAAAAAAAAAAAAAAEAAAAAAAAAAEAAADu7OEKAAAAACgAAAAoAAAAZAAAAGQAAAAAAAAAzMzMAAAAAABQAAAAUAAAAGQAAABkAAAAAAAAABcAAAAUAAAAAAAAAAAAAAD/fwAA/38AAAAAAAAJAAAABAAAAEEAQQAMAAAAEAAAAAAAAAAAAAAAAAAAAAAAAAAeAAAAaAAAAAAAAAAAAAAAAAAAAAAAAAAAAAAAECcAABAnAAAAAAAAAAAAAAAAAAAAAAAAAAAAAAAAAAAAAAAAAAAAABQAAAAAAAAAwMD/AAAAAABkAAAAMgAAAAAAAABkAAAAAAAAAH9/fwAKAAAAHwAAAFQAAAD///8AAAAAAQAAAAAAAAAAAAAAAAAAAAAAAAAAAAAAAAAAAAAAAAAAAAAAAH9/fwAAAAADzMzMAMDA/wB/f38AAAAAAAAAAAAAAAAAAAAAAAAAAAAhAAAAGAAAABQAAABQLQAAAAAAAPtPAAAAAwAAEAAAACYAAAAIAAAAv58AAAAAAAA="/>
+                <pr:smNativeData xmlns:pr="smNativeData" xmlns:p14="http://schemas.microsoft.com/office/powerpoint/2010/main" xmlns="" val="SMDATA_13_eIVQYBMAAAAlAAAAZAAAAA0AAAAAkAAAAEgAAACQAAAASAAAAAAAAAAAAAAAAAAAAAEAAABQAAAAAAAAAAAA4D8AAAAAAADgPwAAAAAAAOA/AAAAAAAA4D8AAAAAAADgPwAAAAAAAOA/AAAAAAAA4D8AAAAAAADgPwAAAAAAAOA/AAAAAAAA4D8CAAAAjAAAAAAAAAAAAAAA////AP///wgAAAAAAAAAAAAAAAAAAAAAAAAAAAAAAAAAAAAAeAAAAAEAAABAAAAAAAAAAAAAAABaAAAAAAAAAAAAAAAAAAAAAAAAAAAAAAAAAAAAAAAAAAAAAAAAAAAAAAAAAAAAAAAAAAAAAAAAAAAAAAAAAAAAAAAAAAAAAAAAAAAAFAAAADwAAAAAAAAAAAAAAAAAAAAPAAAAAQAAACMAAAAjAAAAIwAAAB4AAAAAAAAAZAAAAGQAAAAAAAAAZAAAAGQAAAAVAAAAYAAAAAAAAAAAAAAADwAAACADAAAAAAAAAAAAAAEAAACgMgAAVgcAAKr4//8BAAAAf39/AAEAAABkAAAAAAAAABQAAABAHwAAAAAAACYAAAAAAAAAwOD//wAAAAAmAAAAZAAAABYAAABMAAAAAAAAAAAAAAAEAAAAAAAAAAEAAADu7OEKAAAAACgAAAAoAAAAZAAAAGQAAAAAAAAAzMzMAAAAAABQAAAAUAAAAGQAAABkAAAAAAAAABcAAAAUAAAAAAAAAAAAAAD/fwAA/38AAAAAAAAJAAAABAAAAEEAQQAMAAAAEAAAAAAAAAAAAAAAAAAAAAAAAAAeAAAAaAAAAAAAAAAAAAAAAAAAAAAAAAAAAAAAECcAABAnAAAAAAAAAAAAAAAAAAAAAAAAAAAAAAAAAAAAAAAAAAAAABQAAAAAAAAAwMD/AAAAAABkAAAAMgAAAAAAAABkAAAAAAAAAH9/fwAKAAAAHwAAAFQAAAD///8AAAAAAQAAAAAAAAAAAAAAAAAAAAAAAAAAAAAAAAAAAAAAAAAAAAAAAH9/fwAAAAADzMzMAMDA/wB/f38AAAAAAAAAAAAAAAAAAAAAAAAAAAAhAAAAGAAAABQAAABQLQAAAAAAAPtPAAAAAwAAEAAAACYAAAAIAAAAv58AAAAAAAA="/>
               </a:ext>
             </a:extLst>
           </p:cNvSpPr>
@@ -390,8 +409,9 @@
               <a:defRPr lang="de-de"/>
             </a:pPr>
             <a:fld id="{7A685D26-6897-3DAB-D9D0-9EFE139E2FCB}" type="datetime1">
-              <a:t>3/16/2021</a:t>
+              <a:t>3/24/2021</a:t>
             </a:fld>
+            <a:endParaRPr/>
           </a:p>
         </p:txBody>
       </p:sp>
@@ -402,7 +422,7 @@
             <a:spLocks noGrp="1" noChangeArrowheads="1"/>
             <a:extLst>
               <a:ext uri="smNativeData">
-                <pr:smNativeData xmlns:pr="smNativeData" val="SMDATA_13_eIVQYBMAAAAlAAAAZAAAAA0AAAAAkAAAAEgAAACQAAAASAAAAAAAAAACAAAAAAAAAAEAAABQAAAAAAAAAAAA4D8AAAAAAADgPwAAAAAAAOA/AAAAAAAA4D8AAAAAAADgPwAAAAAAAOA/AAAAAAAA4D8AAAAAAADgPwAAAAAAAOA/AAAAAAAA4D8CAAAAjAAAAAAAAAAAAAAA////AP///wgAAAAAAAAAAAAAAAAAAAAAAAAAAAAAAAAAAAAAeAAAAAEAAABAAAAAAAAAAAAAAABaAAAAAAAAAAAAAAAAAAAAAAAAAAAAAAAAAAAAAAAAAAAAAAAAAAAAAAAAAAAAAAAAAAAAAAAAAAAAAAAAAAAAAAAAAAAAAAAAAAAAFAAAADwAAAAAAAAAAAAAAAAAAAAPAAAAAQAAACMAAAAjAAAAIwAAAB4AAAAAAAAAZAAAAGQAAAAAAAAAZAAAAGQAAAAVAAAAYAAAAAAAAAAAAAAADwAAACADAAAAAAAAAAAAAAEAAACgMgAAVgcAAKr4//8BAAAAf39/AAEAAABkAAAAAAAAABQAAABAHwAAAAAAACYAAAAAAAAAwOD//wAAAAAmAAAAZAAAABYAAABMAAAAAAAAAAAAAAAEAAAAAAAAAAEAAADu7OEKAAAAACgAAAAoAAAAZAAAAGQAAAAAAAAAzMzMAAAAAABQAAAAUAAAAGQAAABkAAAAAAAAABcAAAAUAAAAAAAAAAAAAAD/fwAA/38AAAAAAAAJAAAABAAAADgAQwAMAAAAEAAAAAAAAAAAAAAAAAAAAAAAAAAeAAAAaAAAAAAAAAAAAAAAAAAAAAAAAAAAAAAAECcAABAnAAAAAAAAAAAAAAAAAAAAAAAAAAAAAAAAAAAAAAAAAAAAABQAAAAAAAAAwMD/AAAAAABkAAAAMgAAAAAAAABkAAAAAAAAAH9/fwAKAAAAHwAAAFQAAAD///8AAAAAAQAAAAAAAAAAAAAAAAAAAAAAAAAAAAAAAAAAAAAAAAAAAAAAAH9/fwAAAAADzMzMAMDA/wB/f38AAAAAAAAAAAAAAAAAAAAAAAAAAAAhAAAAGAAAABQAAAAAAAAA/jgAAKsiAAD+OwAAEAAAACYAAAAIAAAAv58AAAAAAAA="/>
+                <pr:smNativeData xmlns:pr="smNativeData" xmlns:p14="http://schemas.microsoft.com/office/powerpoint/2010/main" xmlns="" val="SMDATA_13_eIVQYBMAAAAlAAAAZAAAAA0AAAAAkAAAAEgAAACQAAAASAAAAAAAAAACAAAAAAAAAAEAAABQAAAAAAAAAAAA4D8AAAAAAADgPwAAAAAAAOA/AAAAAAAA4D8AAAAAAADgPwAAAAAAAOA/AAAAAAAA4D8AAAAAAADgPwAAAAAAAOA/AAAAAAAA4D8CAAAAjAAAAAAAAAAAAAAA////AP///wgAAAAAAAAAAAAAAAAAAAAAAAAAAAAAAAAAAAAAeAAAAAEAAABAAAAAAAAAAAAAAABaAAAAAAAAAAAAAAAAAAAAAAAAAAAAAAAAAAAAAAAAAAAAAAAAAAAAAAAAAAAAAAAAAAAAAAAAAAAAAAAAAAAAAAAAAAAAAAAAAAAAFAAAADwAAAAAAAAAAAAAAAAAAAAPAAAAAQAAACMAAAAjAAAAIwAAAB4AAAAAAAAAZAAAAGQAAAAAAAAAZAAAAGQAAAAVAAAAYAAAAAAAAAAAAAAADwAAACADAAAAAAAAAAAAAAEAAACgMgAAVgcAAKr4//8BAAAAf39/AAEAAABkAAAAAAAAABQAAABAHwAAAAAAACYAAAAAAAAAwOD//wAAAAAmAAAAZAAAABYAAABMAAAAAAAAAAAAAAAEAAAAAAAAAAEAAADu7OEKAAAAACgAAAAoAAAAZAAAAGQAAAAAAAAAzMzMAAAAAABQAAAAUAAAAGQAAABkAAAAAAAAABcAAAAUAAAAAAAAAAAAAAD/fwAA/38AAAAAAAAJAAAABAAAADgAQwAMAAAAEAAAAAAAAAAAAAAAAAAAAAAAAAAeAAAAaAAAAAAAAAAAAAAAAAAAAAAAAAAAAAAAECcAABAnAAAAAAAAAAAAAAAAAAAAAAAAAAAAAAAAAAAAAAAAAAAAABQAAAAAAAAAwMD/AAAAAABkAAAAMgAAAAAAAABkAAAAAAAAAH9/fwAKAAAAHwAAAFQAAAD///8AAAAAAQAAAAAAAAAAAAAAAAAAAAAAAAAAAAAAAAAAAAAAAAAAAAAAAH9/fwAAAAADzMzMAMDA/wB/f38AAAAAAAAAAAAAAAAAAAAAAAAAAAAhAAAAGAAAABQAAAAAAAAA/jgAAKsiAAD+OwAAEAAAACYAAAAIAAAAv58AAAAAAAA="/>
               </a:ext>
             </a:extLst>
           </p:cNvSpPr>
@@ -458,6 +478,7 @@
             <a:pPr>
               <a:defRPr lang="de-de"/>
             </a:pPr>
+            <a:endParaRPr/>
           </a:p>
         </p:txBody>
       </p:sp>
@@ -468,7 +489,7 @@
             <a:spLocks noGrp="1" noChangeArrowheads="1"/>
             <a:extLst>
               <a:ext uri="smNativeData">
-                <pr:smNativeData xmlns:pr="smNativeData" val="SMDATA_13_eIVQYBMAAAAlAAAAZAAAAA0AAAAAkAAAAEgAAACQAAAASAAAAAAAAAACAAAAAAAAAAEAAABQAAAAAAAAAAAA4D8AAAAAAADgPwAAAAAAAOA/AAAAAAAA4D8AAAAAAADgPwAAAAAAAOA/AAAAAAAA4D8AAAAAAADgPwAAAAAAAOA/AAAAAAAA4D8CAAAAjAAAAAAAAAAAAAAA////AP///wgAAAAAAAAAAAAAAAAAAAAAAAAAAAAAAAAAAAAAeAAAAAEAAABAAAAAAAAAAAAAAABaAAAAAAAAAAAAAAAAAAAAAAAAAAAAAAAAAAAAAAAAAAAAAAAAAAAAAAAAAAAAAAAAAAAAAAAAAAAAAAAAAAAAAAAAAAAAAAAAAAAAFAAAADwAAAAAAAAAAAAAAAAAAAAPAAAAAQAAACMAAAAjAAAAIwAAAB4AAAAAAAAAZAAAAGQAAAAAAAAAZAAAAGQAAAAVAAAAYAAAAAAAAAAAAAAADwAAACADAAAAAAAAAAAAAAEAAACgMgAAVgcAAKr4//8BAAAAf39/AAEAAABkAAAAAAAAABQAAABAHwAAAAAAACYAAAAAAAAAwOD//wAAAAAmAAAAZAAAABYAAABMAAAAAAAAAAAAAAAEAAAAAAAAAAEAAADu7OEKAAAAACgAAAAoAAAAZAAAAGQAAAAAAAAAzMzMAAAAAABQAAAAUAAAAGQAAABkAAAAAAAAABcAAAAUAAAAAAAAAAAAAAD/fwAA/38AAAAAAAAJAAAABAAAAEEAQQAMAAAAEAAAAAAAAAAAAAAAAAAAAAAAAAAeAAAAaAAAAAAAAAAAAAAAAAAAAAAAAAAAAAAAECcAABAnAAAAAAAAAAAAAAAAAAAAAAAAAAAAAAAAAAAAAAAAAAAAABQAAAAAAAAAwMD/AAAAAABkAAAAMgAAAAAAAABkAAAAAAAAAH9/fwAKAAAAHwAAAFQAAAD///8AAAAAAQAAAAAAAAAAAAAAAAAAAAAAAAAAAAAAAAAAAAAAAAAAAAAAAH9/fwAAAAADzMzMAMDA/wB/f38AAAAAAAAAAAAAAAAAAAAAAAAAAAAhAAAAGAAAABQAAABQLQAA/jgAAPtPAAD+OwAAEAAAACYAAAAIAAAAv58AAAAAAAA="/>
+                <pr:smNativeData xmlns:pr="smNativeData" xmlns:p14="http://schemas.microsoft.com/office/powerpoint/2010/main" xmlns="" val="SMDATA_13_eIVQYBMAAAAlAAAAZAAAAA0AAAAAkAAAAEgAAACQAAAASAAAAAAAAAACAAAAAAAAAAEAAABQAAAAAAAAAAAA4D8AAAAAAADgPwAAAAAAAOA/AAAAAAAA4D8AAAAAAADgPwAAAAAAAOA/AAAAAAAA4D8AAAAAAADgPwAAAAAAAOA/AAAAAAAA4D8CAAAAjAAAAAAAAAAAAAAA////AP///wgAAAAAAAAAAAAAAAAAAAAAAAAAAAAAAAAAAAAAeAAAAAEAAABAAAAAAAAAAAAAAABaAAAAAAAAAAAAAAAAAAAAAAAAAAAAAAAAAAAAAAAAAAAAAAAAAAAAAAAAAAAAAAAAAAAAAAAAAAAAAAAAAAAAAAAAAAAAAAAAAAAAFAAAADwAAAAAAAAAAAAAAAAAAAAPAAAAAQAAACMAAAAjAAAAIwAAAB4AAAAAAAAAZAAAAGQAAAAAAAAAZAAAAGQAAAAVAAAAYAAAAAAAAAAAAAAADwAAACADAAAAAAAAAAAAAAEAAACgMgAAVgcAAKr4//8BAAAAf39/AAEAAABkAAAAAAAAABQAAABAHwAAAAAAACYAAAAAAAAAwOD//wAAAAAmAAAAZAAAABYAAABMAAAAAAAAAAAAAAAEAAAAAAAAAAEAAADu7OEKAAAAACgAAAAoAAAAZAAAAGQAAAAAAAAAzMzMAAAAAABQAAAAUAAAAGQAAABkAAAAAAAAABcAAAAUAAAAAAAAAAAAAAD/fwAA/38AAAAAAAAJAAAABAAAAEEAQQAMAAAAEAAAAAAAAAAAAAAAAAAAAAAAAAAeAAAAaAAAAAAAAAAAAAAAAAAAAAAAAAAAAAAAECcAABAnAAAAAAAAAAAAAAAAAAAAAAAAAAAAAAAAAAAAAAAAAAAAABQAAAAAAAAAwMD/AAAAAABkAAAAMgAAAAAAAABkAAAAAAAAAH9/fwAKAAAAHwAAAFQAAAD///8AAAAAAQAAAAAAAAAAAAAAAAAAAAAAAAAAAAAAAAAAAAAAAAAAAAAAAH9/fwAAAAADzMzMAMDA/wB/f38AAAAAAAAAAAAAAAAAAAAAAAAAAAAhAAAAGAAAABQAAABQLQAA/jgAAPtPAAD+OwAAEAAAACYAAAAIAAAAv58AAAAAAAA="/>
               </a:ext>
             </a:extLst>
           </p:cNvSpPr>
@@ -527,10 +548,16 @@
             <a:fld id="{75EF814B-0598-BA77-D657-F322CF1920A6}" type="slidenum">
               <a:t>‹#›</a:t>
             </a:fld>
+            <a:endParaRPr/>
           </a:p>
         </p:txBody>
       </p:sp>
     </p:spTree>
+    <p:extLst>
+      <p:ext uri="{BB962C8B-B14F-4D97-AF65-F5344CB8AC3E}">
+        <p14:creationId xmlns:p14="http://schemas.microsoft.com/office/powerpoint/2010/main" val="1"/>
+      </p:ext>
+    </p:extLst>
   </p:cSld>
   <p:clrMap bg1="lt1" tx1="dk1" bg2="lt2" tx2="dk2" accent1="accent1" accent2="accent2" accent3="accent3" accent4="accent4" accent5="accent5" accent6="accent6" hlink="hlink" folHlink="folHlink"/>
   <p:hf sldNum="0" hdr="0" ftr="0" dt="0"/>
@@ -538,7 +565,7 @@
 </file>
 
 <file path=ppt/notesMasters/notesMaster1.xml><?xml version="1.0" encoding="utf-8"?>
-<p:notesMaster xmlns:p="http://schemas.openxmlformats.org/presentationml/2006/main" xmlns:p14="http://schemas.microsoft.com/office/powerpoint/2010/main" xmlns:r="http://schemas.openxmlformats.org/officeDocument/2006/relationships" xmlns:a="http://schemas.openxmlformats.org/drawingml/2006/main">
+<p:notesMaster xmlns:a="http://schemas.openxmlformats.org/drawingml/2006/main" xmlns:r="http://schemas.openxmlformats.org/officeDocument/2006/relationships" xmlns:p="http://schemas.openxmlformats.org/presentationml/2006/main">
   <p:cSld>
     <p:bg>
       <p:bgPr>
@@ -569,7 +596,7 @@
             <a:spLocks noGrp="1" noChangeArrowheads="1"/>
             <a:extLst>
               <a:ext uri="smNativeData">
-                <pr:smNativeData xmlns:pr="smNativeData" val="SMDATA_13_eIVQYBMAAAAlAAAAZAAAAA0AAAAAkAAAAEgAAACQAAAASAAAAAAAAAAAAAAAAAAAAAEAAABQAAAAAAAAAAAA4D8AAAAAAADgPwAAAAAAAOA/AAAAAAAA4D8AAAAAAADgPwAAAAAAAOA/AAAAAAAA4D8AAAAAAADgPwAAAAAAAOA/AAAAAAAA4D8CAAAAjAAAAAAAAAAAAAAA////AP///wgAAAAAAAAAAAAAAAAAAAAAAAAAAAAAAAAAAAAAeAAAAAEAAABAAAAAAAAAAAAAAABaAAAAAAAAAAAAAAAAAAAAAAAAAAAAAAAAAAAAAAAAAAAAAAAAAAAAAAAAAAAAAAAAAAAAAAAAAAAAAAAAAAAAAAAAAAAAAAAAAAAAFAAAADwAAAAAAAAAAAAAAAAAAAAPAAAAAQAAACMAAAAjAAAAIwAAAB4AAAAAAAAAZAAAAGQAAAAAAAAAZAAAAGQAAAAVAAAAYAAAAAAAAAAAAAAADwAAACADAAAAAAAAAAAAAAEAAACgMgAAVgcAAKr4//8BAAAAf39/AAEAAABkAAAAAAAAABQAAABAHwAAAAAAACYAAAAAAAAAwOD//wAAAAAmAAAAZAAAABYAAABMAAAAAAAAAAAAAAAEAAAAAAAAAAEAAADu7OEKAAAAACgAAAAoAAAAZAAAAGQAAAAAAAAAzMzMAAAAAABQAAAAUAAAAGQAAABkAAAAAAAAABcAAAAUAAAAAAAAAAAAAAD/fwAA/38AAAAAAAAJAAAABAAAAAAAAAAMAAAAEAAAAAAAAAAAAAAAAAAAAAAAAAAeAAAAaAAAAAAAAAAAAAAAAAAAAAAAAAAAAAAAECcAABAnAAAAAAAAAAAAAAAAAAAAAAAAAAAAAAAAAAAAAAAAAAAAABQAAAAAAAAAwMD/AAAAAABkAAAAMgAAAAAAAABkAAAAAAAAAH9/fwAKAAAAHwAAAFQAAAD///8AAAAAAQAAAAAAAAAAAAAAAAAAAAAAAAAAAAAAAAAAAAAAAAAAAAAAAH9/fwAAAAADzMzMAMDA/wB/f38AAAAAAAAAAAAAAAAAAAAAAAAAAAAhAAAAGAAAABQAAAAAAAAAAAAAAKsiAAAAAwAAEAAAACYAAAAIAAAAv58AAAAAAAA="/>
+                <pr:smNativeData xmlns:pr="smNativeData" xmlns:p14="http://schemas.microsoft.com/office/powerpoint/2010/main" xmlns="" val="SMDATA_13_eIVQYBMAAAAlAAAAZAAAAA0AAAAAkAAAAEgAAACQAAAASAAAAAAAAAAAAAAAAAAAAAEAAABQAAAAAAAAAAAA4D8AAAAAAADgPwAAAAAAAOA/AAAAAAAA4D8AAAAAAADgPwAAAAAAAOA/AAAAAAAA4D8AAAAAAADgPwAAAAAAAOA/AAAAAAAA4D8CAAAAjAAAAAAAAAAAAAAA////AP///wgAAAAAAAAAAAAAAAAAAAAAAAAAAAAAAAAAAAAAeAAAAAEAAABAAAAAAAAAAAAAAABaAAAAAAAAAAAAAAAAAAAAAAAAAAAAAAAAAAAAAAAAAAAAAAAAAAAAAAAAAAAAAAAAAAAAAAAAAAAAAAAAAAAAAAAAAAAAAAAAAAAAFAAAADwAAAAAAAAAAAAAAAAAAAAPAAAAAQAAACMAAAAjAAAAIwAAAB4AAAAAAAAAZAAAAGQAAAAAAAAAZAAAAGQAAAAVAAAAYAAAAAAAAAAAAAAADwAAACADAAAAAAAAAAAAAAEAAACgMgAAVgcAAKr4//8BAAAAf39/AAEAAABkAAAAAAAAABQAAABAHwAAAAAAACYAAAAAAAAAwOD//wAAAAAmAAAAZAAAABYAAABMAAAAAAAAAAAAAAAEAAAAAAAAAAEAAADu7OEKAAAAACgAAAAoAAAAZAAAAGQAAAAAAAAAzMzMAAAAAABQAAAAUAAAAGQAAABkAAAAAAAAABcAAAAUAAAAAAAAAAAAAAD/fwAA/38AAAAAAAAJAAAABAAAAAAAAAAMAAAAEAAAAAAAAAAAAAAAAAAAAAAAAAAeAAAAaAAAAAAAAAAAAAAAAAAAAAAAAAAAAAAAECcAABAnAAAAAAAAAAAAAAAAAAAAAAAAAAAAAAAAAAAAAAAAAAAAABQAAAAAAAAAwMD/AAAAAABkAAAAMgAAAAAAAABkAAAAAAAAAH9/fwAKAAAAHwAAAFQAAAD///8AAAAAAQAAAAAAAAAAAAAAAAAAAAAAAAAAAAAAAAAAAAAAAAAAAAAAAH9/fwAAAAADzMzMAMDA/wB/f38AAAAAAAAAAAAAAAAAAAAAAAAAAAAhAAAAGAAAABQAAAAAAAAAAAAAAKsiAAAAAwAAEAAAACYAAAAIAAAAv58AAAAAAAA="/>
               </a:ext>
             </a:extLst>
           </p:cNvSpPr>
@@ -625,6 +652,7 @@
             <a:pPr>
               <a:defRPr lang="de-de"/>
             </a:pPr>
+            <a:endParaRPr/>
           </a:p>
         </p:txBody>
       </p:sp>
@@ -635,7 +663,7 @@
             <a:spLocks noGrp="1" noChangeArrowheads="1"/>
             <a:extLst>
               <a:ext uri="smNativeData">
-                <pr:smNativeData xmlns:pr="smNativeData" val="SMDATA_13_eIVQYBMAAAAlAAAAZAAAAA0AAAAAkAAAAEgAAACQAAAASAAAAAAAAAAAAAAAAAAAAAEAAABQAAAAAAAAAAAA4D8AAAAAAADgPwAAAAAAAOA/AAAAAAAA4D8AAAAAAADgPwAAAAAAAOA/AAAAAAAA4D8AAAAAAADgPwAAAAAAAOA/AAAAAAAA4D8CAAAAjAAAAAAAAAAAAAAA////AP///wgAAAAAAAAAAAAAAAAAAAAAAAAAAAAAAAAAAAAAeAAAAAEAAABAAAAAAAAAAAAAAABaAAAAAAAAAAAAAAAAAAAAAAAAAAAAAAAAAAAAAAAAAAAAAAAAAAAAAAAAAAAAAAAAAAAAAAAAAAAAAAAAAAAAAAAAAAAAAAAAAAAAFAAAADwAAAAAAAAAAAAAAAAAAAAPAAAAAQAAACMAAAAjAAAAIwAAAB4AAAAAAAAAZAAAAGQAAAAAAAAAZAAAAGQAAAAVAAAAYAAAAAAAAAAAAAAADwAAACADAAAAAAAAAAAAAAEAAACgMgAAVgcAAKr4//8BAAAAf39/AAEAAABkAAAAAAAAABQAAABAHwAAAAAAACYAAAAAAAAAwOD//wAAAAAmAAAAZAAAABYAAABMAAAAAAAAAAAAAAAEAAAAAAAAAAEAAADu7OEKAAAAACgAAAAoAAAAZAAAAGQAAAAAAAAAzMzMAAAAAABQAAAAUAAAAGQAAABkAAAAAAAAABcAAAAUAAAAAAAAAAAAAAD/fwAA/38AAAAAAAAJAAAABAAAAPT09P8MAAAAEAAAAAAAAAAAAAAAAAAAAAAAAAAeAAAAaAAAAAAAAAAAAAAAAAAAAAAAAAAAAAAAECcAABAnAAAAAAAAAAAAAAAAAAAAAAAAAAAAAAAAAAAAAAAAAAAAABQAAAAAAAAAwMD/AAAAAABkAAAAMgAAAAAAAABkAAAAAAAAAH9/fwAKAAAAHwAAAFQAAAD///8AAAAAAQAAAAAAAAAAAAAAAAAAAAAAAAAAAAAAAAAAAAAAAAAAAAAAAH9/fwAAAAADzMzMAMDA/wB/f38AAAAAAAAAAAAAAAAAAAAAAAAAAAAhAAAAGAAAABQAAABQLQAAAAAAAPtPAAAAAwAAEAAAACYAAAAIAAAAv58AAAAAAAA="/>
+                <pr:smNativeData xmlns:pr="smNativeData" xmlns:p14="http://schemas.microsoft.com/office/powerpoint/2010/main" xmlns="" val="SMDATA_13_eIVQYBMAAAAlAAAAZAAAAA0AAAAAkAAAAEgAAACQAAAASAAAAAAAAAAAAAAAAAAAAAEAAABQAAAAAAAAAAAA4D8AAAAAAADgPwAAAAAAAOA/AAAAAAAA4D8AAAAAAADgPwAAAAAAAOA/AAAAAAAA4D8AAAAAAADgPwAAAAAAAOA/AAAAAAAA4D8CAAAAjAAAAAAAAAAAAAAA////AP///wgAAAAAAAAAAAAAAAAAAAAAAAAAAAAAAAAAAAAAeAAAAAEAAABAAAAAAAAAAAAAAABaAAAAAAAAAAAAAAAAAAAAAAAAAAAAAAAAAAAAAAAAAAAAAAAAAAAAAAAAAAAAAAAAAAAAAAAAAAAAAAAAAAAAAAAAAAAAAAAAAAAAFAAAADwAAAAAAAAAAAAAAAAAAAAPAAAAAQAAACMAAAAjAAAAIwAAAB4AAAAAAAAAZAAAAGQAAAAAAAAAZAAAAGQAAAAVAAAAYAAAAAAAAAAAAAAADwAAACADAAAAAAAAAAAAAAEAAACgMgAAVgcAAKr4//8BAAAAf39/AAEAAABkAAAAAAAAABQAAABAHwAAAAAAACYAAAAAAAAAwOD//wAAAAAmAAAAZAAAABYAAABMAAAAAAAAAAAAAAAEAAAAAAAAAAEAAADu7OEKAAAAACgAAAAoAAAAZAAAAGQAAAAAAAAAzMzMAAAAAABQAAAAUAAAAGQAAABkAAAAAAAAABcAAAAUAAAAAAAAAAAAAAD/fwAA/38AAAAAAAAJAAAABAAAAPT09P8MAAAAEAAAAAAAAAAAAAAAAAAAAAAAAAAeAAAAaAAAAAAAAAAAAAAAAAAAAAAAAAAAAAAAECcAABAnAAAAAAAAAAAAAAAAAAAAAAAAAAAAAAAAAAAAAAAAAAAAABQAAAAAAAAAwMD/AAAAAABkAAAAMgAAAAAAAABkAAAAAAAAAH9/fwAKAAAAHwAAAFQAAAD///8AAAAAAQAAAAAAAAAAAAAAAAAAAAAAAAAAAAAAAAAAAAAAAAAAAAAAAH9/fwAAAAADzMzMAMDA/wB/f38AAAAAAAAAAAAAAAAAAAAAAAAAAAAhAAAAGAAAABQAAABQLQAAAAAAAPtPAAAAAwAAEAAAACYAAAAIAAAAv58AAAAAAAA="/>
               </a:ext>
             </a:extLst>
           </p:cNvSpPr>
@@ -692,8 +720,9 @@
               <a:defRPr lang="de-de"/>
             </a:pPr>
             <a:fld id="{5572C999-D7B8-273F-F6CA-216A87840074}" type="datetime1">
-              <a:t>3/16/2021</a:t>
+              <a:t>3/24/2021</a:t>
             </a:fld>
+            <a:endParaRPr/>
           </a:p>
         </p:txBody>
       </p:sp>
@@ -701,10 +730,10 @@
         <p:nvSpPr>
           <p:cNvPr id="4" name="Folienbildplatzhalter 3"/>
           <p:cNvSpPr>
-            <a:spLocks noGrp="1" noChangeArrowheads="1"/>
-            <a:extLst>
-              <a:ext uri="smNativeData">
-                <pr:smNativeData xmlns:pr="smNativeData" val="SMDATA_13_eIVQYBMAAAAlAAAAZAAAAC0AAAAAkAAAAEgAAACQAAAASAAAAAAAAAABAAAAAAAAAAEAAABQAAAAAAAAAAAA4D8AAAAAAADgPwAAAAAAAOA/AAAAAAAA4D8AAAAAAADgPwAAAAAAAOA/AAAAAAAA4D8AAAAAAADgPwAAAAAAAOA/AAAAAAAA4D8CAAAAjAAAAAAAAAAAAAAAT4G9DP///wgAAAAAAAAAAAAAAAAAAAAAAAAAAAAAAAAAAAAAZAAAAAEAAABAAAAAAAAAAAAAAAAAAAAAAAAAAAAAAAAAAAAAAAAAAAAAAAAAAAAAAAAAAAAAAAAAAAAAAAAAAAAAAAAAAAAAAAAAAAAAAAAAAAAAAAAAAAAAAAAAAAAAFAAAADwAAAABAAAAAAAAAAAAAAAUAAAAAQAAACMAAAAjAAAAIwAAAB4AAAAAAAAAZAAAAGQAAAAAAAAAZAAAAGQAAAAVAAAAYAAAAAAAAAAAAAAADwAAACADAAAAAAAAAAAAAAEAAACgMgAAVgcAAKr4//8BAAAAf39/AAEAAABkAAAAAAAAABQAAABAHwAAAAAAACYAAAAAAAAAwOD//wAAAAAmAAAAZAAAABYAAABMAAAAAAAAAAAAAAAEAAAAAAAAAAEAAADu7OEKAAAAACgAAAAoAAAAZAAAAGQAAAAAAAAAzMzMAAAAAABQAAAAUAAAAGQAAABkAAAAAAAAABcAAAAUAAAAAAAAAAAAAAD/fwAA/38AAAAAAAAJAAAABAAAAPT09P8MAAAAEAAAAAAAAAAAAAAAAAAAAAAAAAAeAAAAaAAAAAAAAAAAAAAAAAAAAAAAAAAAAAAAECcAABAnAAAAAAAAAAAAAAAAAAAAAAAAAAAAAAAAAAAAAAAAAAAAABQAAAAAAAAAwMD/AAAAAABkAAAAMgAAAAAAAABkAAAAAAAAAH9/fwAKAAAAHwAAAFQAAAAAAAAFAAAAAQAAAAAAAAAAAAAAAAAAAAAAAAAAAAAAAAAAAAAAAAAAAAAAAH9/fwAAAAADzMzMAMDA/wB/f38AAAAAAAAAAAAAAAAAAAAAAAAAAAAhAAAAGAAAABQAAAAAGQAAgQQAAAA3AAABGwAAEAAAACYAAAAIAAAAvx8AAP8fAAA="/>
+            <a:spLocks noGrp="1" noRot="1" noChangeAspect="1" noChangeArrowheads="1"/>
+            <a:extLst>
+              <a:ext uri="smNativeData">
+                <pr:smNativeData xmlns:pr="smNativeData" xmlns:p14="http://schemas.microsoft.com/office/powerpoint/2010/main" xmlns="" val="SMDATA_13_eIVQYBMAAAAlAAAAZAAAAC0AAAAAkAAAAEgAAACQAAAASAAAAAAAAAABAAAAAAAAAAEAAABQAAAAAAAAAAAA4D8AAAAAAADgPwAAAAAAAOA/AAAAAAAA4D8AAAAAAADgPwAAAAAAAOA/AAAAAAAA4D8AAAAAAADgPwAAAAAAAOA/AAAAAAAA4D8CAAAAjAAAAAAAAAAAAAAAT4G9DP///wgAAAAAAAAAAAAAAAAAAAAAAAAAAAAAAAAAAAAAZAAAAAEAAABAAAAAAAAAAAAAAAAAAAAAAAAAAAAAAAAAAAAAAAAAAAAAAAAAAAAAAAAAAAAAAAAAAAAAAAAAAAAAAAAAAAAAAAAAAAAAAAAAAAAAAAAAAAAAAAAAAAAAFAAAADwAAAABAAAAAAAAAAAAAAAUAAAAAQAAACMAAAAjAAAAIwAAAB4AAAAAAAAAZAAAAGQAAAAAAAAAZAAAAGQAAAAVAAAAYAAAAAAAAAAAAAAADwAAACADAAAAAAAAAAAAAAEAAACgMgAAVgcAAKr4//8BAAAAf39/AAEAAABkAAAAAAAAABQAAABAHwAAAAAAACYAAAAAAAAAwOD//wAAAAAmAAAAZAAAABYAAABMAAAAAAAAAAAAAAAEAAAAAAAAAAEAAADu7OEKAAAAACgAAAAoAAAAZAAAAGQAAAAAAAAAzMzMAAAAAABQAAAAUAAAAGQAAABkAAAAAAAAABcAAAAUAAAAAAAAAAAAAAD/fwAA/38AAAAAAAAJAAAABAAAAPT09P8MAAAAEAAAAAAAAAAAAAAAAAAAAAAAAAAeAAAAaAAAAAAAAAAAAAAAAAAAAAAAAAAAAAAAECcAABAnAAAAAAAAAAAAAAAAAAAAAAAAAAAAAAAAAAAAAAAAAAAAABQAAAAAAAAAwMD/AAAAAABkAAAAMgAAAAAAAABkAAAAAAAAAH9/fwAKAAAAHwAAAFQAAAAAAAAFAAAAAQAAAAAAAAAAAAAAAAAAAAAAAAAAAAAAAAAAAAAAAAAAAAAAAH9/fwAAAAADzMzMAMDA/wB/f38AAAAAAAAAAAAAAAAAAAAAAAAAAAAhAAAAGAAAABQAAAAAGQAAgQQAAAA3AAABGwAAEAAAACYAAAAIAAAAvx8AAP8fAAA="/>
               </a:ext>
             </a:extLst>
           </p:cNvSpPr>
@@ -741,6 +770,7 @@
             <a:pPr>
               <a:defRPr lang="de-de"/>
             </a:pPr>
+            <a:endParaRPr/>
           </a:p>
         </p:txBody>
       </p:sp>
@@ -751,7 +781,7 @@
             <a:spLocks noGrp="1" noChangeArrowheads="1"/>
             <a:extLst>
               <a:ext uri="smNativeData">
-                <pr:smNativeData xmlns:pr="smNativeData" val="SMDATA_13_eIVQYBMAAAAlAAAAZAAAAA0AAAAAkAAAAEgAAACQAAAASAAAAAAAAAAAAAAAAAAAAAEAAABQAAAAAAAAAAAA4D8AAAAAAADgPwAAAAAAAOA/AAAAAAAA4D8AAAAAAADgPwAAAAAAAOA/AAAAAAAA4D8AAAAAAADgPwAAAAAAAOA/AAAAAAAA4D8CAAAAjAAAAAAAAAAAAAAAT4G9DP///wgAAAAAAAAAAAAAAAAAAAAAAAAAAAAAAAAAAAAAZAAAAAEAAABAAAAAAAAAAAAAAAAAAAAAAAAAAAAAAAAAAAAAAAAAAAAAAAAAAAAAAAAAAAAAAAAAAAAAAAAAAAAAAAAAAAAAAAAAAAAAAAAAAAAAAAAAAAAAAAAAAAAAFAAAADwAAAAAAAAAAAAAAAAAAAkUAAAAAQAAABQAAAAUAAAAFAAAAAEAAAAAAAAAZAAAAGQAAAAAAAAAZAAAAGQAAAAVAAAAYAAAAAAAAAAAAAAADwAAACADAAAAAAAAAAAAAAEAAACgMgAAVgcAAKr4//8BAAAAf39/AAEAAABkAAAAAAAAABQAAABAHwAAAAAAACYAAAAAAAAAwOD//wAAAAAmAAAAZAAAABYAAABMAAAAAAAAAAAAAAAEAAAAAAAAAAEAAADu7OEKAAAAACgAAAAoAAAAZAAAAGQAAAAAAAAAzMzMAAAAAABQAAAAUAAAAGQAAABkAAAAAAAAABcAAAAUAAAAAAAAAAAAAAD/fwAA/38AAAAAAAAJAAAABAAAAPT09P8MAAAAEAAAAAAAAAAAAAAAAAAAAAAAAAAeAAAAaAAAAAAAAAAAAAAAAAAAAAAAAAAAAAAAECcAABAnAAAAAAAAAAAAAAAAAAAAAAAAAAAAAAAAAAAAAAAAAAAAABQAAAAAAAAAwMD/AAAAAABkAAAAMgAAAAAAAABkAAAAAAAAAH9/fwAKAAAAHwAAAFQAAAAAAAAFAAAAAQAAAAAAAAAAAAAAAAAAAAAAAAAAAAAAAAAAAAAAAAAAAAAAAn9/fwAAAAADzMzMAMDA/wB/f38AAAAAAAAAAAAAAAAAAAAAAAAAAAAhAAAAGAAAABQAAAAACAAAfxwAAAFIAACANwAAEAAAACYAAAAIAAAAvx8AAP8fAAA="/>
+                <pr:smNativeData xmlns:pr="smNativeData" xmlns:p14="http://schemas.microsoft.com/office/powerpoint/2010/main" xmlns="" val="SMDATA_13_eIVQYBMAAAAlAAAAZAAAAA0AAAAAkAAAAEgAAACQAAAASAAAAAAAAAAAAAAAAAAAAAEAAABQAAAAAAAAAAAA4D8AAAAAAADgPwAAAAAAAOA/AAAAAAAA4D8AAAAAAADgPwAAAAAAAOA/AAAAAAAA4D8AAAAAAADgPwAAAAAAAOA/AAAAAAAA4D8CAAAAjAAAAAAAAAAAAAAAT4G9DP///wgAAAAAAAAAAAAAAAAAAAAAAAAAAAAAAAAAAAAAZAAAAAEAAABAAAAAAAAAAAAAAAAAAAAAAAAAAAAAAAAAAAAAAAAAAAAAAAAAAAAAAAAAAAAAAAAAAAAAAAAAAAAAAAAAAAAAAAAAAAAAAAAAAAAAAAAAAAAAAAAAAAAAFAAAADwAAAAAAAAAAAAAAAAAAAkUAAAAAQAAABQAAAAUAAAAFAAAAAEAAAAAAAAAZAAAAGQAAAAAAAAAZAAAAGQAAAAVAAAAYAAAAAAAAAAAAAAADwAAACADAAAAAAAAAAAAAAEAAACgMgAAVgcAAKr4//8BAAAAf39/AAEAAABkAAAAAAAAABQAAABAHwAAAAAAACYAAAAAAAAAwOD//wAAAAAmAAAAZAAAABYAAABMAAAAAAAAAAAAAAAEAAAAAAAAAAEAAADu7OEKAAAAACgAAAAoAAAAZAAAAGQAAAAAAAAAzMzMAAAAAABQAAAAUAAAAGQAAABkAAAAAAAAABcAAAAUAAAAAAAAAAAAAAD/fwAA/38AAAAAAAAJAAAABAAAAPT09P8MAAAAEAAAAAAAAAAAAAAAAAAAAAAAAAAeAAAAaAAAAAAAAAAAAAAAAAAAAAAAAAAAAAAAECcAABAnAAAAAAAAAAAAAAAAAAAAAAAAAAAAAAAAAAAAAAAAAAAAABQAAAAAAAAAwMD/AAAAAABkAAAAMgAAAAAAAABkAAAAAAAAAH9/fwAKAAAAHwAAAFQAAAAAAAAFAAAAAQAAAAAAAAAAAAAAAAAAAAAAAAAAAAAAAAAAAAAAAAAAAAAAAn9/fwAAAAADzMzMAMDA/wB/f38AAAAAAAAAAAAAAAAAAAAAAAAAAAAhAAAAGAAAABQAAAAACAAAfxwAAAFIAACANwAAEAAAACYAAAAIAAAAvx8AAP8fAAA="/>
               </a:ext>
             </a:extLst>
           </p:cNvSpPr>
@@ -828,7 +858,7 @@
             <a:spLocks noGrp="1" noChangeArrowheads="1"/>
             <a:extLst>
               <a:ext uri="smNativeData">
-                <pr:smNativeData xmlns:pr="smNativeData" val="SMDATA_13_eIVQYBMAAAAlAAAAZAAAAA0AAAAAkAAAAEgAAACQAAAASAAAAAAAAAACAAAAAAAAAAEAAABQAAAAAAAAAAAA4D8AAAAAAADgPwAAAAAAAOA/AAAAAAAA4D8AAAAAAADgPwAAAAAAAOA/AAAAAAAA4D8AAAAAAADgPwAAAAAAAOA/AAAAAAAA4D8CAAAAjAAAAAAAAAAAAAAAT4G9DP///wgAAAAAAAAAAAAAAAAAAAAAAAAAAAAAAAAAAAAAZAAAAAEAAABAAAAAAAAAAAAAAAAAAAAAAAAAAAAAAAAAAAAAAAAAAAAAAAAAAAAAAAAAAAAAAAAAAAAAAAAAAAAAAAAAAAAAAAAAAAAAAAAAAAAAAAAAAAAAAAAAAAAAFAAAADwAAAAAAAAAAAAAAAAAAAkUAAAAAQAAABQAAAAUAAAAFAAAAAEAAAAAAAAAZAAAAGQAAAAAAAAAZAAAAGQAAAAVAAAAYAAAAAAAAAAAAAAADwAAACADAAAAAAAAAAAAAAEAAACgMgAAVgcAAKr4//8BAAAAf39/AAEAAABkAAAAAAAAABQAAABAHwAAAAAAACYAAAAAAAAAwOD//wAAAAAmAAAAZAAAABYAAABMAAAAAAAAAAAAAAAEAAAAAAAAAAEAAADu7OEKAAAAACgAAAAoAAAAZAAAAGQAAAAAAAAAzMzMAAAAAABQAAAAUAAAAGQAAABkAAAAAAAAABcAAAAUAAAAAAAAAAAAAAD/fwAA/38AAAAAAAAJAAAABAAAAPT09P8MAAAAEAAAAAAAAAAAAAAAAAAAAAAAAAAeAAAAaAAAAAAAAAAAAAAAAAAAAAAAAAAAAAAAECcAABAnAAAAAAAAAAAAAAAAAAAAAAAAAAAAAAAAAAAAAAAAAAAAABQAAAAAAAAAwMD/AAAAAABkAAAAMgAAAAAAAABkAAAAAAAAAH9/fwAKAAAAHwAAAFQAAAAAAAAFAAAAAQAAAAAAAAAAAAAAAAAAAAAAAAAAAAAAAAAAAAAAAAAAAAAAAn9/fwAAAAADzMzMAMDA/wB/f38AAAAAAAAAAAAAAAAAAAAAAAAAAAAhAAAAGAAAABQAAAAAAAAA/jgAAKsiAAD+OwAAEAAAACYAAAAIAAAAv58AAP8fAAA="/>
+                <pr:smNativeData xmlns:pr="smNativeData" xmlns:p14="http://schemas.microsoft.com/office/powerpoint/2010/main" xmlns="" val="SMDATA_13_eIVQYBMAAAAlAAAAZAAAAA0AAAAAkAAAAEgAAACQAAAASAAAAAAAAAACAAAAAAAAAAEAAABQAAAAAAAAAAAA4D8AAAAAAADgPwAAAAAAAOA/AAAAAAAA4D8AAAAAAADgPwAAAAAAAOA/AAAAAAAA4D8AAAAAAADgPwAAAAAAAOA/AAAAAAAA4D8CAAAAjAAAAAAAAAAAAAAAT4G9DP///wgAAAAAAAAAAAAAAAAAAAAAAAAAAAAAAAAAAAAAZAAAAAEAAABAAAAAAAAAAAAAAAAAAAAAAAAAAAAAAAAAAAAAAAAAAAAAAAAAAAAAAAAAAAAAAAAAAAAAAAAAAAAAAAAAAAAAAAAAAAAAAAAAAAAAAAAAAAAAAAAAAAAAFAAAADwAAAAAAAAAAAAAAAAAAAkUAAAAAQAAABQAAAAUAAAAFAAAAAEAAAAAAAAAZAAAAGQAAAAAAAAAZAAAAGQAAAAVAAAAYAAAAAAAAAAAAAAADwAAACADAAAAAAAAAAAAAAEAAACgMgAAVgcAAKr4//8BAAAAf39/AAEAAABkAAAAAAAAABQAAABAHwAAAAAAACYAAAAAAAAAwOD//wAAAAAmAAAAZAAAABYAAABMAAAAAAAAAAAAAAAEAAAAAAAAAAEAAADu7OEKAAAAACgAAAAoAAAAZAAAAGQAAAAAAAAAzMzMAAAAAABQAAAAUAAAAGQAAABkAAAAAAAAABcAAAAUAAAAAAAAAAAAAAD/fwAA/38AAAAAAAAJAAAABAAAAPT09P8MAAAAEAAAAAAAAAAAAAAAAAAAAAAAAAAeAAAAaAAAAAAAAAAAAAAAAAAAAAAAAAAAAAAAECcAABAnAAAAAAAAAAAAAAAAAAAAAAAAAAAAAAAAAAAAAAAAAAAAABQAAAAAAAAAwMD/AAAAAABkAAAAMgAAAAAAAABkAAAAAAAAAH9/fwAKAAAAHwAAAFQAAAAAAAAFAAAAAQAAAAAAAAAAAAAAAAAAAAAAAAAAAAAAAAAAAAAAAAAAAAAAAn9/fwAAAAADzMzMAMDA/wB/f38AAAAAAAAAAAAAAAAAAAAAAAAAAAAhAAAAGAAAABQAAAAAAAAA/jgAAKsiAAD+OwAAEAAAACYAAAAIAAAAv58AAP8fAAA="/>
               </a:ext>
             </a:extLst>
           </p:cNvSpPr>
@@ -888,6 +918,7 @@
             <a:pPr>
               <a:defRPr lang="de-de"/>
             </a:pPr>
+            <a:endParaRPr/>
           </a:p>
         </p:txBody>
       </p:sp>
@@ -898,7 +929,7 @@
             <a:spLocks noGrp="1" noChangeArrowheads="1"/>
             <a:extLst>
               <a:ext uri="smNativeData">
-                <pr:smNativeData xmlns:pr="smNativeData" val="SMDATA_13_eIVQYBMAAAAlAAAAZAAAAA0AAAAAkAAAAEgAAACQAAAASAAAAAAAAAACAAAAAAAAAAEAAABQAAAAAAAAAAAA4D8AAAAAAADgPwAAAAAAAOA/AAAAAAAA4D8AAAAAAADgPwAAAAAAAOA/AAAAAAAA4D8AAAAAAADgPwAAAAAAAOA/AAAAAAAA4D8CAAAAjAAAAAAAAAAAAAAAT4G9DP///wgAAAAAAAAAAAAAAAAAAAAAAAAAAAAAAAAAAAAAZAAAAAEAAABAAAAAAAAAAAAAAAAAAAAAAAAAAAAAAAAAAAAAAAAAAAAAAAAAAAAAAAAAAAAAAAAAAAAAAAAAAAAAAAAAAAAAAAAAAAAAAAAAAAAAAAAAAAAAAAAAAAAAFAAAADwAAAAAAAAAAAAAAAAAAAkUAAAAAQAAABQAAAAUAAAAFAAAAAEAAAAAAAAAZAAAAGQAAAAAAAAAZAAAAGQAAAAVAAAAYAAAAAAAAAAAAAAADwAAACADAAAAAAAAAAAAAAEAAACgMgAAVgcAAKr4//8BAAAAf39/AAEAAABkAAAAAAAAABQAAABAHwAAAAAAACYAAAAAAAAAwOD//wAAAAAmAAAAZAAAABYAAABMAAAAAAAAAAAAAAAEAAAAAAAAAAEAAADu7OEKAAAAACgAAAAoAAAAZAAAAGQAAAAAAAAAzMzMAAAAAABQAAAAUAAAAGQAAABkAAAAAAAAABcAAAAUAAAAAAAAAAAAAAD/fwAA/38AAAAAAAAJAAAABAAAAPT09P8MAAAAEAAAAAAAAAAAAAAAAAAAAAAAAAAeAAAAaAAAAAAAAAAAAAAAAAAAAAAAAAAAAAAAECcAABAnAAAAAAAAAAAAAAAAAAAAAAAAAAAAAAAAAAAAAAAAAAAAABQAAAAAAAAAwMD/AAAAAABkAAAAMgAAAAAAAABkAAAAAAAAAH9/fwAKAAAAHwAAAFQAAAAAAAAFAAAAAQAAAAAAAAAAAAAAAAAAAAAAAAAAAAAAAAAAAAAAAAAAAAAAAn9/fwAAAAADzMzMAMDA/wB/f38AAAAAAAAAAAAAAAAAAAAAAAAAAAAhAAAAGAAAABQAAABQLQAA/jgAAPtPAAD+OwAAEAAAACYAAAAIAAAAv58AAP8fAAA="/>
+                <pr:smNativeData xmlns:pr="smNativeData" xmlns:p14="http://schemas.microsoft.com/office/powerpoint/2010/main" xmlns="" val="SMDATA_13_eIVQYBMAAAAlAAAAZAAAAA0AAAAAkAAAAEgAAACQAAAASAAAAAAAAAACAAAAAAAAAAEAAABQAAAAAAAAAAAA4D8AAAAAAADgPwAAAAAAAOA/AAAAAAAA4D8AAAAAAADgPwAAAAAAAOA/AAAAAAAA4D8AAAAAAADgPwAAAAAAAOA/AAAAAAAA4D8CAAAAjAAAAAAAAAAAAAAAT4G9DP///wgAAAAAAAAAAAAAAAAAAAAAAAAAAAAAAAAAAAAAZAAAAAEAAABAAAAAAAAAAAAAAAAAAAAAAAAAAAAAAAAAAAAAAAAAAAAAAAAAAAAAAAAAAAAAAAAAAAAAAAAAAAAAAAAAAAAAAAAAAAAAAAAAAAAAAAAAAAAAAAAAAAAAFAAAADwAAAAAAAAAAAAAAAAAAAkUAAAAAQAAABQAAAAUAAAAFAAAAAEAAAAAAAAAZAAAAGQAAAAAAAAAZAAAAGQAAAAVAAAAYAAAAAAAAAAAAAAADwAAACADAAAAAAAAAAAAAAEAAACgMgAAVgcAAKr4//8BAAAAf39/AAEAAABkAAAAAAAAABQAAABAHwAAAAAAACYAAAAAAAAAwOD//wAAAAAmAAAAZAAAABYAAABMAAAAAAAAAAAAAAAEAAAAAAAAAAEAAADu7OEKAAAAACgAAAAoAAAAZAAAAGQAAAAAAAAAzMzMAAAAAABQAAAAUAAAAGQAAABkAAAAAAAAABcAAAAUAAAAAAAAAAAAAAD/fwAA/38AAAAAAAAJAAAABAAAAPT09P8MAAAAEAAAAAAAAAAAAAAAAAAAAAAAAAAeAAAAaAAAAAAAAAAAAAAAAAAAAAAAAAAAAAAAECcAABAnAAAAAAAAAAAAAAAAAAAAAAAAAAAAAAAAAAAAAAAAAAAAABQAAAAAAAAAwMD/AAAAAABkAAAAMgAAAAAAAABkAAAAAAAAAH9/fwAKAAAAHwAAAFQAAAAAAAAFAAAAAQAAAAAAAAAAAAAAAAAAAAAAAAAAAAAAAAAAAAAAAAAAAAAAAn9/fwAAAAADzMzMAMDA/wB/f38AAAAAAAAAAAAAAAAAAAAAAAAAAAAhAAAAGAAAABQAAABQLQAA/jgAAPtPAAD+OwAAEAAAACYAAAAIAAAAv58AAP8fAAA="/>
               </a:ext>
             </a:extLst>
           </p:cNvSpPr>
@@ -961,6 +992,7 @@
             <a:fld id="{104E3143-0DFD-1BC7-B3F6-FB927FB845AE}" type="slidenum">
               <a:t>‹#›</a:t>
             </a:fld>
+            <a:endParaRPr/>
           </a:p>
         </p:txBody>
       </p:sp>
@@ -1172,7 +1204,7 @@
 </file>
 
 <file path=ppt/notesSlides/notesSlide1.xml><?xml version="1.0" encoding="utf-8"?>
-<p:notes xmlns:p="http://schemas.openxmlformats.org/presentationml/2006/main" xmlns:p14="http://schemas.microsoft.com/office/powerpoint/2010/main" xmlns:r="http://schemas.openxmlformats.org/officeDocument/2006/relationships" xmlns:a="http://schemas.openxmlformats.org/drawingml/2006/main" showMasterSp="0">
+<p:notes xmlns:a="http://schemas.openxmlformats.org/drawingml/2006/main" xmlns:r="http://schemas.openxmlformats.org/officeDocument/2006/relationships" xmlns:p="http://schemas.openxmlformats.org/presentationml/2006/main" showMasterSp="0">
   <p:cSld>
     <p:bg>
       <p:bgPr>
@@ -1200,10 +1232,10 @@
         <p:nvSpPr>
           <p:cNvPr id="2" name="Folienbildplatzhalter 1"/>
           <p:cNvSpPr>
-            <a:spLocks noGrp="1" noChangeArrowheads="1"/>
-            <a:extLst>
-              <a:ext uri="smNativeData">
-                <pr:smNativeData xmlns:pr="smNativeData" val="SMDATA_13_eIVQYBMAAAAlAAAAZAAAAC0AAAAAkAAAAEgAAACQAAAASAAAAAAAAAABAAAAAAAAAAEAAABQAAAAAAAAAAAA4D8AAAAAAADgPwAAAAAAAOA/AAAAAAAA4D8AAAAAAADgPwAAAAAAAOA/AAAAAAAA4D8AAAAAAADgPwAAAAAAAOA/AAAAAAAA4D8CAAAAjAAAAAAAAAAAAAAAT4G9DP///wgAAAAAAAAAAAAAAAAAAAAAAAAAAAAAAAAAAAAAZAAAAAEAAABAAAAAAAAAAAAAAAAAAAAAAAAAAAAAAAAAAAAAAAAAAAAAAAAAAAAAAAAAAAAAAAAAAAAAAAAAAAAAAAAAAAAAAAAAAAAAAAAAAAAAAAAAAAAAAAAAAAAAFAAAADwAAAABAAAAAAAAAAAAAAAUAAAAAQAAACMAAAAjAAAAIwAAAB4AAAAAAAAAZAAAAGQAAAAAAAAAZAAAAGQAAAAVAAAAYAAAAAAAAAAAAAAADwAAACADAAAAAAAAAAAAAAEAAACgMgAAVgcAAKr4//8BAAAAf39/AAEAAABkAAAAAAAAABQAAABAHwAAAAAAACYAAAAAAAAAwOD//wAAAAAmAAAAZAAAABYAAABMAAAAAAAAAAAAAAAEAAAAAAAAAAEAAADu7OEKAAAAACgAAAAoAAAAZAAAAGQAAAAAAAAAzMzMAAAAAABQAAAAUAAAAGQAAABkAAAAAAAAABcAAAAUAAAAAAAAAAAAAAD/fwAA/38AAAAAAAAJAAAABAAAAIwXAAAMAAAAEAAAAAAAAAAAAAAAAAAAAAAAAAAeAAAAaAAAAAAAAAAAAAAAAAAAAAAAAAAAAAAAECcAABAnAAAAAAAAAAAAAAAAAAAAAAAAAAAAAAAAAAAAAAAAAAAAABQAAAAAAAAAwMD/AAAAAABkAAAAMgAAAAAAAABkAAAAAAAAAH9/fwAKAAAAHwAAAFQAAAAAAAAFAAAAAQAAAAAAAAAAAAAAAAAAAAAAAAAAAAAAAAAAAAAAAAAAAAAAAH9/fwAAAAADzMzMAMDA/wB/f38AAAAAAAAAAAAAAAAAAAAAAAAAAAAhAAAAGAAAABQAAAAAGQAAgQQAAAA3AAABGwAAEAAAACYAAAAIAAAAAQ4AAAAAAAA="/>
+            <a:spLocks noGrp="1" noRot="1" noChangeAspect="1" noChangeArrowheads="1"/>
+            <a:extLst>
+              <a:ext uri="smNativeData">
+                <pr:smNativeData xmlns:pr="smNativeData" xmlns:p14="http://schemas.microsoft.com/office/powerpoint/2010/main" xmlns="" val="SMDATA_13_eIVQYBMAAAAlAAAAZAAAAC0AAAAAkAAAAEgAAACQAAAASAAAAAAAAAABAAAAAAAAAAEAAABQAAAAAAAAAAAA4D8AAAAAAADgPwAAAAAAAOA/AAAAAAAA4D8AAAAAAADgPwAAAAAAAOA/AAAAAAAA4D8AAAAAAADgPwAAAAAAAOA/AAAAAAAA4D8CAAAAjAAAAAAAAAAAAAAAT4G9DP///wgAAAAAAAAAAAAAAAAAAAAAAAAAAAAAAAAAAAAAZAAAAAEAAABAAAAAAAAAAAAAAAAAAAAAAAAAAAAAAAAAAAAAAAAAAAAAAAAAAAAAAAAAAAAAAAAAAAAAAAAAAAAAAAAAAAAAAAAAAAAAAAAAAAAAAAAAAAAAAAAAAAAAFAAAADwAAAABAAAAAAAAAAAAAAAUAAAAAQAAACMAAAAjAAAAIwAAAB4AAAAAAAAAZAAAAGQAAAAAAAAAZAAAAGQAAAAVAAAAYAAAAAAAAAAAAAAADwAAACADAAAAAAAAAAAAAAEAAACgMgAAVgcAAKr4//8BAAAAf39/AAEAAABkAAAAAAAAABQAAABAHwAAAAAAACYAAAAAAAAAwOD//wAAAAAmAAAAZAAAABYAAABMAAAAAAAAAAAAAAAEAAAAAAAAAAEAAADu7OEKAAAAACgAAAAoAAAAZAAAAGQAAAAAAAAAzMzMAAAAAABQAAAAUAAAAGQAAABkAAAAAAAAABcAAAAUAAAAAAAAAAAAAAD/fwAA/38AAAAAAAAJAAAABAAAAIwXAAAMAAAAEAAAAAAAAAAAAAAAAAAAAAAAAAAeAAAAaAAAAAAAAAAAAAAAAAAAAAAAAAAAAAAAECcAABAnAAAAAAAAAAAAAAAAAAAAAAAAAAAAAAAAAAAAAAAAAAAAABQAAAAAAAAAwMD/AAAAAABkAAAAMgAAAAAAAABkAAAAAAAAAH9/fwAKAAAAHwAAAFQAAAAAAAAFAAAAAQAAAAAAAAAAAAAAAAAAAAAAAAAAAAAAAAAAAAAAAAAAAAAAAH9/fwAAAAADzMzMAMDA/wB/f38AAAAAAAAAAAAAAAAAAAAAAAAAAAAhAAAAGAAAABQAAAAAGQAAgQQAAAA3AAABGwAAEAAAACYAAAAIAAAAAQ4AAAAAAAA="/>
               </a:ext>
             </a:extLst>
           </p:cNvSpPr>
@@ -1225,7 +1257,7 @@
             <a:spLocks noGrp="1" noChangeArrowheads="1"/>
             <a:extLst>
               <a:ext uri="smNativeData">
-                <pr:smNativeData xmlns:pr="smNativeData" val="SMDATA_13_eIVQYBMAAAAlAAAAZAAAAA0AAAAAkAAAAEgAAACQAAAASAAAAAAAAAAAAAAAAAAAAAEAAABQAAAAAAAAAAAA4D8AAAAAAADgPwAAAAAAAOA/AAAAAAAA4D8AAAAAAADgPwAAAAAAAOA/AAAAAAAA4D8AAAAAAADgPwAAAAAAAOA/AAAAAAAA4D8CAAAAjAAAAAAAAAAAAAAAT4G9DP///wgAAAAAAAAAAAAAAAAAAAAAAAAAAAAAAAAAAAAAZAAAAAEAAABAAAAAAAAAAAAAAAAAAAAAAAAAAAAAAAAAAAAAAAAAAAAAAAAAAAAAAAAAAAAAAAAAAAAAAAAAAAAAAAAAAAAAAAAAAAAAAAAAAAAAAAAAAAAAAAAAAAAAFAAAADwAAAAAAAAAAAAAAAAAAAkUAAAAAQAAABQAAAAUAAAAFAAAAAEAAAAAAAAAZAAAAGQAAAAAAAAAZAAAAGQAAAAVAAAAYAAAAAAAAAAAAAAADwAAACADAAAAAAAAAAAAAAEAAACgMgAAVgcAAKr4//8BAAAAf39/AAEAAABkAAAAAAAAABQAAABAHwAAAAAAACYAAAAAAAAAwOD//wAAAAAmAAAAZAAAABYAAABMAAAAAAAAAAAAAAAEAAAAAAAAAAEAAADu7OEKAAAAACgAAAAoAAAAZAAAAGQAAAAAAAAAzMzMAAAAAABQAAAAUAAAAGQAAABkAAAAAAAAABcAAAAUAAAAAAAAAAAAAAD/fwAA/38AAAAAAAAJAAAABAAAAAAAAAAMAAAAEAAAAAAAAAAAAAAAAAAAAAAAAAAeAAAAaAAAAAAAAAAAAAAAAAAAAAAAAAAAAAAAECcAABAnAAAAAAAAAAAAAAAAAAAAAAAAAAAAAAAAAAAAAAAAAAAAABQAAAAAAAAAwMD/AAAAAABkAAAAMgAAAAAAAABkAAAAAAAAAH9/fwAKAAAAHwAAAFQAAAAAAAAFAAAAAQAAAAAAAAAAAAAAAAAAAAAAAAAAAAAAAAAAAAAAAAAAAAAAAn9/fwAAAAADzMzMAMDA/wB/f38AAAAAAAAAAAAAAAAAAAAAAAAAAAAhAAAAGAAAABQAAAAACAAAfxwAAAFIAACANwAAEAAAACYAAAAIAAAAvx4AAAAAAAA="/>
+                <pr:smNativeData xmlns:pr="smNativeData" xmlns:p14="http://schemas.microsoft.com/office/powerpoint/2010/main" xmlns="" val="SMDATA_13_eIVQYBMAAAAlAAAAZAAAAA0AAAAAkAAAAEgAAACQAAAASAAAAAAAAAAAAAAAAAAAAAEAAABQAAAAAAAAAAAA4D8AAAAAAADgPwAAAAAAAOA/AAAAAAAA4D8AAAAAAADgPwAAAAAAAOA/AAAAAAAA4D8AAAAAAADgPwAAAAAAAOA/AAAAAAAA4D8CAAAAjAAAAAAAAAAAAAAAT4G9DP///wgAAAAAAAAAAAAAAAAAAAAAAAAAAAAAAAAAAAAAZAAAAAEAAABAAAAAAAAAAAAAAAAAAAAAAAAAAAAAAAAAAAAAAAAAAAAAAAAAAAAAAAAAAAAAAAAAAAAAAAAAAAAAAAAAAAAAAAAAAAAAAAAAAAAAAAAAAAAAAAAAAAAAFAAAADwAAAAAAAAAAAAAAAAAAAkUAAAAAQAAABQAAAAUAAAAFAAAAAEAAAAAAAAAZAAAAGQAAAAAAAAAZAAAAGQAAAAVAAAAYAAAAAAAAAAAAAAADwAAACADAAAAAAAAAAAAAAEAAACgMgAAVgcAAKr4//8BAAAAf39/AAEAAABkAAAAAAAAABQAAABAHwAAAAAAACYAAAAAAAAAwOD//wAAAAAmAAAAZAAAABYAAABMAAAAAAAAAAAAAAAEAAAAAAAAAAEAAADu7OEKAAAAACgAAAAoAAAAZAAAAGQAAAAAAAAAzMzMAAAAAABQAAAAUAAAAGQAAABkAAAAAAAAABcAAAAUAAAAAAAAAAAAAAD/fwAA/38AAAAAAAAJAAAABAAAAAAAAAAMAAAAEAAAAAAAAAAAAAAAAAAAAAAAAAAeAAAAaAAAAAAAAAAAAAAAAAAAAAAAAAAAAAAAECcAABAnAAAAAAAAAAAAAAAAAAAAAAAAAAAAAAAAAAAAAAAAAAAAABQAAAAAAAAAwMD/AAAAAABkAAAAMgAAAAAAAABkAAAAAAAAAH9/fwAKAAAAHwAAAFQAAAAAAAAFAAAAAQAAAAAAAAAAAAAAAAAAAAAAAAAAAAAAAAAAAAAAAAAAAAAAAn9/fwAAAAADzMzMAMDA/wB/f38AAAAAAAAAAAAAAAAAAAAAAAAAAAAhAAAAGAAAABQAAAAACAAAfxwAAAFIAACANwAAEAAAACYAAAAIAAAAvx4AAAAAAAA="/>
               </a:ext>
             </a:extLst>
           </p:cNvSpPr>
@@ -1250,6 +1282,7 @@
             <a:pPr>
               <a:defRPr lang="de-de"/>
             </a:pPr>
+            <a:endParaRPr/>
           </a:p>
         </p:txBody>
       </p:sp>
@@ -1262,7 +1295,7 @@
 </file>
 
 <file path=ppt/slideLayouts/slideLayout1.xml><?xml version="1.0" encoding="utf-8"?>
-<p:sldLayout xmlns:p="http://schemas.openxmlformats.org/presentationml/2006/main" xmlns:p14="http://schemas.microsoft.com/office/powerpoint/2010/main" xmlns:r="http://schemas.openxmlformats.org/officeDocument/2006/relationships" xmlns:a="http://schemas.openxmlformats.org/drawingml/2006/main" type="blank" preserve="1">
+<p:sldLayout xmlns:a="http://schemas.openxmlformats.org/drawingml/2006/main" xmlns:r="http://schemas.openxmlformats.org/officeDocument/2006/relationships" xmlns:p="http://schemas.openxmlformats.org/presentationml/2006/main" type="blank" preserve="1">
   <p:cSld name="Titel">
     <p:bg>
       <p:bgPr>
@@ -1293,7 +1326,7 @@
             <a:spLocks noGrp="1" noChangeArrowheads="1"/>
             <a:extLst>
               <a:ext uri="smNativeData">
-                <pr:smNativeData xmlns:pr="smNativeData" val="SMDATA_13_eIVQYBMAAAAlAAAAZAAAAA0AAAAAAAAAAAAAAAAAAAAAAAAAAAAAAAAAAAAAAAAAAAEAAABQAAAAAAAAAAAA4D8AAAAAAADgPwAAAAAAAOA/AAAAAAAA4D8AAAAAAADgPwAAAAAAAOA/AAAAAAAA4D8AAAAAAADgPwAAAAAAAOA/AAAAAAAA4D8CAAAAjAAAAAAAAAAAAAAA////AP///wgAAAAAAAAAAAAAAAAAAAAAAAAAAAAAAAAAAAAAeAAAAAEAAABAAAAAAAAAAAAAAABaAAAAAAAAAAAAAAAAAAAAAAAAAAAAAAAAAAAAAAAAAAAAAAAAAAAAAAAAAAAAAAAAAAAAAAAAAAAAAAAAAAAAAAAAAAAAAAAAAAAAFAAAADwAAAAAAAAAAAAAAAAAAAAPAAAAAQAAACMAAAAjAAAAIwAAAB4AAAAAAAAAZAAAAGQAAAAAAAAAZAAAAGQAAAAVAAAAYAAAAAAAAAAAAAAADwAAACADAAAAAAAAAAAAAAEAAACgMgAAVgcAAKr4//8BAAAAf39/AAEAAABkAAAAAAAAABQAAABAHwAAAAAAACYAAAAAAAAAwOD//wAAAAAmAAAAZAAAABYAAABMAAAAAAAAAAAAAAAEAAAAAAAAAAEAAADu7OEKAAAAACgAAAAoAAAAZAAAAGQAAAAAAAAAzMzMAAAAAABQAAAAUAAAAGQAAABkAAAAAAAAABcAAAAUAAAAAAAAAAAAAAD/fwAA/38AAAAAAAAJAAAABAAAAEEAQQAMAAAAEAAAAAAAAAAAAAAAAAAAAAAAAAAeAAAAaAAAAAAAAAAAAAAAAAAAAAAAAAAAAAAAECcAABAnAAAAAAAAAAAAAAAAAAAAAAAAAAAAAAAAAAAAAAAAAAAAABQAAAAAAAAAwMD/AAAAAABkAAAAMgAAAAAAAABkAAAAAAAAAH9/fwAKAAAAHwAAAFQAAAD///8AAAAAAQAAAAAAAAAAAAAAAAAAAAAAAAAAAAAAAAAAAAAAAAAAAAAAAH9/fwAAAAADzMzMAMDA/wB/f38AAAAAAAAAAAAAAAAAAAAAAAAAAAAhAAAAGAAAABQAAADIBQAAoCMAAMg9AADmJQAAEAAAACYAAAAIAAAAPZAAAAAAAAA="/>
+                <pr:smNativeData xmlns:pr="smNativeData" xmlns:p14="http://schemas.microsoft.com/office/powerpoint/2010/main" xmlns="" val="SMDATA_13_eIVQYBMAAAAlAAAAZAAAAA0AAAAAAAAAAAAAAAAAAAAAAAAAAAAAAAAAAAAAAAAAAAEAAABQAAAAAAAAAAAA4D8AAAAAAADgPwAAAAAAAOA/AAAAAAAA4D8AAAAAAADgPwAAAAAAAOA/AAAAAAAA4D8AAAAAAADgPwAAAAAAAOA/AAAAAAAA4D8CAAAAjAAAAAAAAAAAAAAA////AP///wgAAAAAAAAAAAAAAAAAAAAAAAAAAAAAAAAAAAAAeAAAAAEAAABAAAAAAAAAAAAAAABaAAAAAAAAAAAAAAAAAAAAAAAAAAAAAAAAAAAAAAAAAAAAAAAAAAAAAAAAAAAAAAAAAAAAAAAAAAAAAAAAAAAAAAAAAAAAAAAAAAAAFAAAADwAAAAAAAAAAAAAAAAAAAAPAAAAAQAAACMAAAAjAAAAIwAAAB4AAAAAAAAAZAAAAGQAAAAAAAAAZAAAAGQAAAAVAAAAYAAAAAAAAAAAAAAADwAAACADAAAAAAAAAAAAAAEAAACgMgAAVgcAAKr4//8BAAAAf39/AAEAAABkAAAAAAAAABQAAABAHwAAAAAAACYAAAAAAAAAwOD//wAAAAAmAAAAZAAAABYAAABMAAAAAAAAAAAAAAAEAAAAAAAAAAEAAADu7OEKAAAAACgAAAAoAAAAZAAAAGQAAAAAAAAAzMzMAAAAAABQAAAAUAAAAGQAAABkAAAAAAAAABcAAAAUAAAAAAAAAAAAAAD/fwAA/38AAAAAAAAJAAAABAAAAEEAQQAMAAAAEAAAAAAAAAAAAAAAAAAAAAAAAAAeAAAAaAAAAAAAAAAAAAAAAAAAAAAAAAAAAAAAECcAABAnAAAAAAAAAAAAAAAAAAAAAAAAAAAAAAAAAAAAAAAAAAAAABQAAAAAAAAAwMD/AAAAAABkAAAAMgAAAAAAAABkAAAAAAAAAH9/fwAKAAAAHwAAAFQAAAD///8AAAAAAQAAAAAAAAAAAAAAAAAAAAAAAAAAAAAAAAAAAAAAAAAAAAAAAH9/fwAAAAADzMzMAMDA/wB/f38AAAAAAAAAAAAAAAAAAAAAAAAAAAAhAAAAGAAAABQAAADIBQAAoCMAAMg9AADmJQAAEAAAACYAAAAIAAAAPZAAAAAAAAA="/>
               </a:ext>
             </a:extLst>
           </p:cNvSpPr>
@@ -1355,6 +1388,7 @@
             <a:pPr>
               <a:defRPr lang="de-de"/>
             </a:pPr>
+            <a:endParaRPr/>
           </a:p>
         </p:txBody>
       </p:sp>
@@ -1365,7 +1399,7 @@
             <a:spLocks noGrp="1" noChangeArrowheads="1"/>
             <a:extLst>
               <a:ext uri="smNativeData">
-                <pr:smNativeData xmlns:pr="smNativeData" val="SMDATA_13_eIVQYBMAAAAlAAAAZAAAAA0AAAAAAAAAAAAAAAAAAAAAAAAAAAAAAAAAAAAAAAAAAAEAAABQAAAAAAAAAAAA4D8AAAAAAADgPwAAAAAAAOA/AAAAAAAA4D8AAAAAAADgPwAAAAAAAOA/AAAAAAAA4D8AAAAAAADgPwAAAAAAAOA/AAAAAAAA4D8CAAAAjAAAAAAAAAAAAAAA////AP///wgAAAAAAAAAAAAAAAAAAAAAAAAAAAAAAAAAAAAAeAAAAAEAAABAAAAAAAAAAAAAAABaAAAAAAAAAAAAAAAAAAAAAAAAAAAAAAAAAAAAAAAAAAAAAAAAAAAAAAAAAAAAAAAAAAAAAAAAAAAAAAAAAAAAAAAAAAAAAAAAAAAAFAAAADwAAAAAAAAAAAAAAAAAAAAPAAAAAQAAACMAAAAjAAAAIwAAAB4AAAAAAAAAZAAAAGQAAAAAAAAAZAAAAGQAAAAVAAAAYAAAAAAAAAAAAAAADwAAACADAAAAAAAAAAAAAAEAAACgMgAAVgcAAKr4//8BAAAAf39/AAEAAABkAAAAAAAAABQAAABAHwAAAAAAACYAAAAAAAAAwOD//wAAAAAmAAAAZAAAABYAAABMAAAAAAAAAAAAAAAEAAAAAAAAAAEAAADu7OEKAAAAACgAAAAoAAAAZAAAAGQAAAAAAAAAzMzMAAAAAABQAAAAUAAAAGQAAABkAAAAAAAAABcAAAAUAAAAAAAAAAAAAAD/fwAA/38AAAAAAAAJAAAABAAAADgAQQAMAAAAEAAAAAAAAAAAAAAAAAAAAAAAAAAeAAAAaAAAAAAAAAAAAAAAAAAAAAAAAAAAAAAAECcAABAnAAAAAAAAAAAAAAAAAAAAAAAAAAAAAAAAAAAAAAAAAAAAABQAAAAAAAAAwMD/AAAAAABkAAAAMgAAAAAAAABkAAAAAAAAAH9/fwAKAAAAHwAAAFQAAAD///8AAAAAAQAAAAAAAAAAAAAAAAAAAAAAAAAAAAAAAAAAAAAAAAAAAAAAAH9/fwAAAAADzMzMAMDA/wB/f38AAAAAAAAAAAAAAAAAAAAAAAAAAAAhAAAAGAAAABQAAACSBQAAmBwAAERIAABGIgAAEAAAACYAAAAIAAAAAYAAAAAAAAA="/>
+                <pr:smNativeData xmlns:pr="smNativeData" xmlns:p14="http://schemas.microsoft.com/office/powerpoint/2010/main" xmlns="" val="SMDATA_13_eIVQYBMAAAAlAAAAZAAAAA0AAAAAAAAAAAAAAAAAAAAAAAAAAAAAAAAAAAAAAAAAAAEAAABQAAAAAAAAAAAA4D8AAAAAAADgPwAAAAAAAOA/AAAAAAAA4D8AAAAAAADgPwAAAAAAAOA/AAAAAAAA4D8AAAAAAADgPwAAAAAAAOA/AAAAAAAA4D8CAAAAjAAAAAAAAAAAAAAA////AP///wgAAAAAAAAAAAAAAAAAAAAAAAAAAAAAAAAAAAAAeAAAAAEAAABAAAAAAAAAAAAAAABaAAAAAAAAAAAAAAAAAAAAAAAAAAAAAAAAAAAAAAAAAAAAAAAAAAAAAAAAAAAAAAAAAAAAAAAAAAAAAAAAAAAAAAAAAAAAAAAAAAAAFAAAADwAAAAAAAAAAAAAAAAAAAAPAAAAAQAAACMAAAAjAAAAIwAAAB4AAAAAAAAAZAAAAGQAAAAAAAAAZAAAAGQAAAAVAAAAYAAAAAAAAAAAAAAADwAAACADAAAAAAAAAAAAAAEAAACgMgAAVgcAAKr4//8BAAAAf39/AAEAAABkAAAAAAAAABQAAABAHwAAAAAAACYAAAAAAAAAwOD//wAAAAAmAAAAZAAAABYAAABMAAAAAAAAAAAAAAAEAAAAAAAAAAEAAADu7OEKAAAAACgAAAAoAAAAZAAAAGQAAAAAAAAAzMzMAAAAAABQAAAAUAAAAGQAAABkAAAAAAAAABcAAAAUAAAAAAAAAAAAAAD/fwAA/38AAAAAAAAJAAAABAAAADgAQQAMAAAAEAAAAAAAAAAAAAAAAAAAAAAAAAAeAAAAaAAAAAAAAAAAAAAAAAAAAAAAAAAAAAAAECcAABAnAAAAAAAAAAAAAAAAAAAAAAAAAAAAAAAAAAAAAAAAAAAAABQAAAAAAAAAwMD/AAAAAABkAAAAMgAAAAAAAABkAAAAAAAAAH9/fwAKAAAAHwAAAFQAAAD///8AAAAAAQAAAAAAAAAAAAAAAAAAAAAAAAAAAAAAAAAAAAAAAAAAAAAAAH9/fwAAAAADzMzMAMDA/wB/f38AAAAAAAAAAAAAAAAAAAAAAAAAAAAhAAAAGAAAABQAAACSBQAAmBwAAERIAABGIgAAEAAAACYAAAAIAAAAAYAAAAAAAAA="/>
               </a:ext>
             </a:extLst>
           </p:cNvSpPr>
@@ -1434,7 +1468,7 @@
             <a:spLocks noGrp="1" noChangeArrowheads="1"/>
             <a:extLst>
               <a:ext uri="smNativeData">
-                <pr:smNativeData xmlns:pr="smNativeData" val="SMDATA_13_eIVQYBMAAAAlAAAAZAAAAA0AAAAAAAAAAAAAAAAAAAAAAAAAAAAAAAAAAAAAAAAAAAEAAABQAAAAAAAAAAAA4D8AAAAAAADgPwAAAAAAAOA/AAAAAAAA4D8AAAAAAADgPwAAAAAAAOA/AAAAAAAA4D8AAAAAAADgPwAAAAAAAOA/AAAAAAAA4D8CAAAAjAAAAAAAAAAAAAAA////AP///wgAAAAAAAAAAAAAAAAAAAAAAAAAAAAAAAAAAAAAeAAAAAEAAABAAAAAAAAAAAAAAABaAAAAAAAAAAAAAAAAAAAAAAAAAAAAAAAAAAAAAAAAAAAAAAAAAAAAAAAAAAAAAAAAAAAAAAAAAAAAAAAAAAAAAAAAAAAAAAAAAAAAFAAAADwAAAAAAAAAAAAAAAAAAAAPAAAAAQAAACMAAAAjAAAAIwAAAB4AAAAAAAAAZAAAAGQAAAAAAAAAZAAAAGQAAAAVAAAAYAAAAAAAAAAAAAAADwAAACADAAAAAAAAAAAAAAEAAACgMgAAVgcAAKr4//8BAAAAf39/AAEAAABkAAAAAAAAABQAAABAHwAAAAAAACYAAAAAAAAAwOD//wAAAAAmAAAAZAAAABYAAABMAAAAAAAAAAAAAAAEAAAAAAAAAAEAAADu7OEKAAAAACgAAAAoAAAAZAAAAGQAAAAAAAAAzMzMAAAAAABQAAAAUAAAAGQAAABkAAAAAAAAABcAAAAUAAAAAAAAAAAAAAD/fwAA/38AAAAAAAAJAAAABAAAAAAAAAAMAAAAEAAAAAAAAAAAAAAAAAAAAAAAAAAeAAAAaAAAAAAAAAAAAAAAAAAAAAAAAAAAAAAAECcAABAnAAAAAAAAAAAAAAAAAAAAAAAAAAAAAAAAAAAAAAAAAAAAABQAAAAAAAAAwMD/AAAAAABkAAAAMgAAAAAAAABkAAAAAAAAAH9/fwAKAAAAHwAAAFQAAAD///8AAAAAAQAAAAAAAAAAAAAAAAAAAAAAAAAAAAAAAAAAAAAAAAAAAAAAAH9/fwAAAAADzMzMAMDA/wB/f38AAAAAAAAAAAAAAAAAAAAAAAAAAAAhAAAAGAAAABQAAADIBQAAyBkAAGg4AACZGwAAEAAAACYAAAAIAAAAPZAAAAAAAAA="/>
+                <pr:smNativeData xmlns:pr="smNativeData" xmlns:p14="http://schemas.microsoft.com/office/powerpoint/2010/main" xmlns="" val="SMDATA_13_eIVQYBMAAAAlAAAAZAAAAA0AAAAAAAAAAAAAAAAAAAAAAAAAAAAAAAAAAAAAAAAAAAEAAABQAAAAAAAAAAAA4D8AAAAAAADgPwAAAAAAAOA/AAAAAAAA4D8AAAAAAADgPwAAAAAAAOA/AAAAAAAA4D8AAAAAAADgPwAAAAAAAOA/AAAAAAAA4D8CAAAAjAAAAAAAAAAAAAAA////AP///wgAAAAAAAAAAAAAAAAAAAAAAAAAAAAAAAAAAAAAeAAAAAEAAABAAAAAAAAAAAAAAABaAAAAAAAAAAAAAAAAAAAAAAAAAAAAAAAAAAAAAAAAAAAAAAAAAAAAAAAAAAAAAAAAAAAAAAAAAAAAAAAAAAAAAAAAAAAAAAAAAAAAFAAAADwAAAAAAAAAAAAAAAAAAAAPAAAAAQAAACMAAAAjAAAAIwAAAB4AAAAAAAAAZAAAAGQAAAAAAAAAZAAAAGQAAAAVAAAAYAAAAAAAAAAAAAAADwAAACADAAAAAAAAAAAAAAEAAACgMgAAVgcAAKr4//8BAAAAf39/AAEAAABkAAAAAAAAABQAAABAHwAAAAAAACYAAAAAAAAAwOD//wAAAAAmAAAAZAAAABYAAABMAAAAAAAAAAAAAAAEAAAAAAAAAAEAAADu7OEKAAAAACgAAAAoAAAAZAAAAGQAAAAAAAAAzMzMAAAAAABQAAAAUAAAAGQAAABkAAAAAAAAABcAAAAUAAAAAAAAAAAAAAD/fwAA/38AAAAAAAAJAAAABAAAAAAAAAAMAAAAEAAAAAAAAAAAAAAAAAAAAAAAAAAeAAAAaAAAAAAAAAAAAAAAAAAAAAAAAAAAAAAAECcAABAnAAAAAAAAAAAAAAAAAAAAAAAAAAAAAAAAAAAAAAAAAAAAABQAAAAAAAAAwMD/AAAAAABkAAAAMgAAAAAAAABkAAAAAAAAAH9/fwAKAAAAHwAAAFQAAAD///8AAAAAAQAAAAAAAAAAAAAAAAAAAAAAAAAAAAAAAAAAAAAAAAAAAAAAAH9/fwAAAAADzMzMAMDA/wB/f38AAAAAAAAAAAAAAAAAAAAAAAAAAAAhAAAAGAAAABQAAADIBQAAyBkAAGg4AACZGwAAEAAAACYAAAAIAAAAPZAAAAAAAAA="/>
               </a:ext>
             </a:extLst>
           </p:cNvSpPr>
@@ -1509,7 +1543,7 @@
 </file>
 
 <file path=ppt/slideLayouts/slideLayout2.xml><?xml version="1.0" encoding="utf-8"?>
-<p:sldLayout xmlns:p="http://schemas.openxmlformats.org/presentationml/2006/main" xmlns:p14="http://schemas.microsoft.com/office/powerpoint/2010/main" xmlns:r="http://schemas.openxmlformats.org/officeDocument/2006/relationships" xmlns:a="http://schemas.openxmlformats.org/drawingml/2006/main" type="blank" preserve="1">
+<p:sldLayout xmlns:a="http://schemas.openxmlformats.org/drawingml/2006/main" xmlns:r="http://schemas.openxmlformats.org/officeDocument/2006/relationships" xmlns:p="http://schemas.openxmlformats.org/presentationml/2006/main" type="blank" preserve="1">
   <p:cSld name="Textfolie">
     <p:spTree>
       <p:nvGrpSpPr>
@@ -1532,7 +1566,7 @@
             <a:spLocks noGrp="1" noChangeArrowheads="1"/>
             <a:extLst>
               <a:ext uri="smNativeData">
-                <pr:smNativeData xmlns:pr="smNativeData" val="SMDATA_13_eIVQYBMAAAAlAAAAZAAAAA0AAAAAAAAAAAAAAAAAAAAAAAAAAAAAAAAAAAAAAAAAAAEAAABQAAAAAAAAAAAA4D8AAAAAAADgPwAAAAAAAOA/AAAAAAAA4D8AAAAAAADgPwAAAAAAAOA/AAAAAAAA4D8AAAAAAADgPwAAAAAAAOA/AAAAAAAA4D8CAAAAjAAAAAAAAAAAAAAA////AP///wgAAAAAAAAAAAAAAAAAAAAAAAAAAAAAAAAAAAAAeAAAAAEAAABAAAAAAAAAAAAAAABaAAAAAAAAAAAAAAAAAAAAAAAAAAAAAAAAAAAAAAAAAAAAAAAAAAAAAAAAAAAAAAAAAAAAAAAAAAAAAAAAAAAAAAAAAAAAAAAAAAAAFAAAADwAAAAAAAAAAAAAAAAAAAAPAAAAAQAAACMAAAAjAAAAIwAAAB4AAAAAAAAAZAAAAGQAAAAAAAAAZAAAAGQAAAAVAAAAYAAAAAAAAAAAAAAADwAAACADAAAAAAAAAAAAAAEAAACgMgAAVgcAAKr4//8BAAAAf39/AAEAAABkAAAAAAAAABQAAABAHwAAAAAAACYAAAAAAAAAwOD//wAAAAAmAAAAZAAAABYAAABMAAAAAAAAAAAAAAAEAAAAAAAAAAEAAADu7OEKAAAAACgAAAAoAAAAZAAAAGQAAAAAAAAAzMzMAAAAAABQAAAAUAAAAGQAAABkAAAAAAAAABcAAAAUAAAAAAAAAAAAAAD/fwAA/38AAAAAAAAJAAAABAAAAAAAAAAMAAAAEAAAAAAAAAAAAAAAAAAAAAAAAAAeAAAAaAAAAAAAAAAAAAAAAAAAAAAAAAAAAAAAECcAABAnAAAAAAAAAAAAAAAAAAAAAAAAAAAAAAAAAAAAAAAAAAAAABQAAAAAAAAAwMD/AAAAAABkAAAAMgAAAAAAAABkAAAAAAAAAH9/fwAKAAAAHwAAAFQAAAD///8AAAAAAQAAAAAAAAAAAAAAAAAAAAAAAAAAAAAAAAAAAAAAAAAAAAAAAH9/fwAAAAADzMzMAMDA/wB/f38AAAAAAAAAAAAAAAAAAAAAAAAAAAAhAAAAGAAAABQAAADIBQAAiQsAAHpIAACzDwAAEAAAACYAAAAIAAAAPZAAAAAAAAA="/>
+                <pr:smNativeData xmlns:pr="smNativeData" xmlns:p14="http://schemas.microsoft.com/office/powerpoint/2010/main" xmlns="" val="SMDATA_13_eIVQYBMAAAAlAAAAZAAAAA0AAAAAAAAAAAAAAAAAAAAAAAAAAAAAAAAAAAAAAAAAAAEAAABQAAAAAAAAAAAA4D8AAAAAAADgPwAAAAAAAOA/AAAAAAAA4D8AAAAAAADgPwAAAAAAAOA/AAAAAAAA4D8AAAAAAADgPwAAAAAAAOA/AAAAAAAA4D8CAAAAjAAAAAAAAAAAAAAA////AP///wgAAAAAAAAAAAAAAAAAAAAAAAAAAAAAAAAAAAAAeAAAAAEAAABAAAAAAAAAAAAAAABaAAAAAAAAAAAAAAAAAAAAAAAAAAAAAAAAAAAAAAAAAAAAAAAAAAAAAAAAAAAAAAAAAAAAAAAAAAAAAAAAAAAAAAAAAAAAAAAAAAAAFAAAADwAAAAAAAAAAAAAAAAAAAAPAAAAAQAAACMAAAAjAAAAIwAAAB4AAAAAAAAAZAAAAGQAAAAAAAAAZAAAAGQAAAAVAAAAYAAAAAAAAAAAAAAADwAAACADAAAAAAAAAAAAAAEAAACgMgAAVgcAAKr4//8BAAAAf39/AAEAAABkAAAAAAAAABQAAABAHwAAAAAAACYAAAAAAAAAwOD//wAAAAAmAAAAZAAAABYAAABMAAAAAAAAAAAAAAAEAAAAAAAAAAEAAADu7OEKAAAAACgAAAAoAAAAZAAAAGQAAAAAAAAAzMzMAAAAAABQAAAAUAAAAGQAAABkAAAAAAAAABcAAAAUAAAAAAAAAAAAAAD/fwAA/38AAAAAAAAJAAAABAAAAAAAAAAMAAAAEAAAAAAAAAAAAAAAAAAAAAAAAAAeAAAAaAAAAAAAAAAAAAAAAAAAAAAAAAAAAAAAECcAABAnAAAAAAAAAAAAAAAAAAAAAAAAAAAAAAAAAAAAAAAAAAAAABQAAAAAAAAAwMD/AAAAAABkAAAAMgAAAAAAAABkAAAAAAAAAH9/fwAKAAAAHwAAAFQAAAD///8AAAAAAQAAAAAAAAAAAAAAAAAAAAAAAAAAAAAAAAAAAAAAAAAAAAAAAH9/fwAAAAADzMzMAMDA/wB/f38AAAAAAAAAAAAAAAAAAAAAAAAAAAAhAAAAGAAAABQAAADIBQAAiQsAAHpIAACzDwAAEAAAACYAAAAIAAAAPZAAAAAAAAA="/>
               </a:ext>
             </a:extLst>
           </p:cNvSpPr>
@@ -1592,6 +1626,7 @@
             <a:pPr>
               <a:defRPr lang="de-de"/>
             </a:pPr>
+            <a:endParaRPr/>
           </a:p>
         </p:txBody>
       </p:sp>
@@ -1602,7 +1637,7 @@
             <a:spLocks noGrp="1" noChangeArrowheads="1"/>
             <a:extLst>
               <a:ext uri="smNativeData">
-                <pr:smNativeData xmlns:pr="smNativeData" val="SMDATA_13_eIVQYBMAAAAlAAAAZAAAAA0AAAAAAAAAAAAAAAAAAAAAAAAAAAAAAAAAAAAAAAAAAAEAAABQAAAAAAAAAAAA4D8AAAAAAADgPwAAAAAAAOA/AAAAAAAA4D8AAAAAAADgPwAAAAAAAOA/AAAAAAAA4D8AAAAAAADgPwAAAAAAAOA/AAAAAAAA4D8CAAAAjAAAAAAAAAAAAAAA////AP///wgAAAAAAAAAAAAAAAAAAAAAAAAAAAAAAAAAAAAAeAAAAAEAAABAAAAAAAAAAAAAAABaAAAAAAAAAAAAAAAAAAAAAAAAAAAAAAAAAAAAAAAAAAAAAAAAAAAAAAAAAAAAAAAAAAAAAAAAAAAAAAAAAAAAAAAAAAAAAAAAAAAAFAAAADwAAAAAAAAAAAAAAAAAAAAPAAAAAQAAACMAAAAjAAAAIwAAAB4AAAAAAAAAZAAAAGQAAAAAAAAAZAAAAGQAAAAVAAAAYAAAAAAAAAAAAAAADwAAACADAAAAAAAAAAAAAAEAAACgMgAAVgcAAKr4//8BAAAAf39/AAEAAABkAAAAAAAAABQAAABAHwAAAAAAACYAAAAAAAAAwOD//wAAAAAmAAAAZAAAABYAAABMAAAAAAAAAAAAAAAEAAAAAAAAAAEAAADu7OEKAAAAACgAAAAoAAAAZAAAAGQAAAAAAAAAzMzMAAAAAABQAAAAUAAAAGQAAABkAAAAAAAAABcAAAAUAAAAAAAAAAAAAAD/fwAA/38AAAAAAAAJAAAABAAAAAAAAAAMAAAAEAAAAAAAAAAAAAAAAAAAAAAAAAAeAAAAaAAAAAAAAAAAAAAAAAAAAAAAAAAAAAAAECcAABAnAAAAAAAAAAAAAAAAAAAAAAAAAAAAAAAAAAAAAAAAAAAAABQAAAAAAAAAwMD/AAAAAABkAAAAMgAAAAAAAABkAAAAAAAAAH9/fwAKAAAAHwAAAFQAAAD///8AAAAAAQAAAAAAAAAAAAAAAAAAAAAAAAAAAAAAAAAAAAAAAAAAAAAAAH9/fwAAAAADzMzMAMDA/wB/f38AAAAAAAAAAAAAAAAAAAAAAAAAAAAhAAAAGAAAABQAAADIBQAAwBIAAHpIAAAGFQAAEAAAACYAAAAIAAAAPZAAAAAAAAA="/>
+                <pr:smNativeData xmlns:pr="smNativeData" xmlns:p14="http://schemas.microsoft.com/office/powerpoint/2010/main" xmlns="" val="SMDATA_13_eIVQYBMAAAAlAAAAZAAAAA0AAAAAAAAAAAAAAAAAAAAAAAAAAAAAAAAAAAAAAAAAAAEAAABQAAAAAAAAAAAA4D8AAAAAAADgPwAAAAAAAOA/AAAAAAAA4D8AAAAAAADgPwAAAAAAAOA/AAAAAAAA4D8AAAAAAADgPwAAAAAAAOA/AAAAAAAA4D8CAAAAjAAAAAAAAAAAAAAA////AP///wgAAAAAAAAAAAAAAAAAAAAAAAAAAAAAAAAAAAAAeAAAAAEAAABAAAAAAAAAAAAAAABaAAAAAAAAAAAAAAAAAAAAAAAAAAAAAAAAAAAAAAAAAAAAAAAAAAAAAAAAAAAAAAAAAAAAAAAAAAAAAAAAAAAAAAAAAAAAAAAAAAAAFAAAADwAAAAAAAAAAAAAAAAAAAAPAAAAAQAAACMAAAAjAAAAIwAAAB4AAAAAAAAAZAAAAGQAAAAAAAAAZAAAAGQAAAAVAAAAYAAAAAAAAAAAAAAADwAAACADAAAAAAAAAAAAAAEAAACgMgAAVgcAAKr4//8BAAAAf39/AAEAAABkAAAAAAAAABQAAABAHwAAAAAAACYAAAAAAAAAwOD//wAAAAAmAAAAZAAAABYAAABMAAAAAAAAAAAAAAAEAAAAAAAAAAEAAADu7OEKAAAAACgAAAAoAAAAZAAAAGQAAAAAAAAAzMzMAAAAAABQAAAAUAAAAGQAAABkAAAAAAAAABcAAAAUAAAAAAAAAAAAAAD/fwAA/38AAAAAAAAJAAAABAAAAAAAAAAMAAAAEAAAAAAAAAAAAAAAAAAAAAAAAAAeAAAAaAAAAAAAAAAAAAAAAAAAAAAAAAAAAAAAECcAABAnAAAAAAAAAAAAAAAAAAAAAAAAAAAAAAAAAAAAAAAAAAAAABQAAAAAAAAAwMD/AAAAAABkAAAAMgAAAAAAAABkAAAAAAAAAH9/fwAKAAAAHwAAAFQAAAD///8AAAAAAQAAAAAAAAAAAAAAAAAAAAAAAAAAAAAAAAAAAAAAAAAAAAAAAH9/fwAAAAADzMzMAMDA/wB/f38AAAAAAAAAAAAAAAAAAAAAAAAAAAAhAAAAGAAAABQAAADIBQAAwBIAAHpIAAAGFQAAEAAAACYAAAAIAAAAPZAAAAAAAAA="/>
               </a:ext>
             </a:extLst>
           </p:cNvSpPr>
@@ -1662,6 +1697,7 @@
             <a:pPr>
               <a:defRPr lang="de-de"/>
             </a:pPr>
+            <a:endParaRPr/>
           </a:p>
         </p:txBody>
       </p:sp>
@@ -1672,7 +1708,7 @@
             <a:spLocks noGrp="1" noChangeArrowheads="1"/>
             <a:extLst>
               <a:ext uri="smNativeData">
-                <pr:smNativeData xmlns:pr="smNativeData" val="SMDATA_13_eIVQYBMAAAAlAAAAEgAAAA0AAAAAAAAAAAAAAAAAAAAAAAAAAAAAAAAAAAAAAAAAAAEAAABQAAAAAAAAAAAA4D8AAAAAAADgPwAAAAAAAOA/AAAAAAAA4D8AAAAAAADgPwAAAAAAAOA/AAAAAAAA4D8AAAAAAADgPwAAAAAAAOA/AAAAAAAA4D8CAAAAjAAAAAAAAAAAAAAA////AP///wgAAAAAAAAAAAAAAAAAAAAAAAAAAAAAAAAAAAAAeAAAAAEAAABAAAAAAAAAAAAAAABaAAAAAAAAAAAAAAAAAAAAAAAAAAAAAAAAAAAAAAAAAAAAAAAAAAAAAAAAAAAAAAAAAAAAAAAAAAAAAAAAAAAAAAAAAAAAAAAAAAAAFAAAADwAAAAAAAAAAAAAAAAAAAAPAAAAAQAAACMAAAAjAAAAIwAAAB4AAAAAAAAAZAAAAGQAAAAAAAAAZAAAAGQAAAAVAAAAYAAAAAAAAAAAAAAADwAAACADAAAAAAAAAAAAAAEAAACgMgAAVgcAAKr4//8BAAAAf39/AAEAAABkAAAAAAAAABQAAABAHwAAAAAAACYAAAAAAAAAwOD//wAAAAAmAAAAZAAAABYAAABMAAAAAAAAAAAAAAAEAAAAAAAAAAEAAADu7OEKAAAAACgAAAAoAAAAZAAAAGQAAAAAAAAAzMzMAAAAAABQAAAAUAAAAGQAAABkAAAAAAAAABcAAAAUAAAAAAAAAAAAAAD/fwAA/38AAAAAAAAJAAAABAAAAEEAQQAMAAAAEAAAAAAAAAAAAAAAAAAAAAAAAAAeAAAAaAAAAAAAAAAAAAAAAAAAAAAAAAAAAAAAECcAABAnAAAAAAAAAAAAAAAAAAAAAAAAAAAAAAAAAAAAAAAAAAAAABQAAAAAAAAAwMD/AAAAAABkAAAAMgAAAAAAAABkAAAAAAAAAH9/fwAKAAAAHwAAAFQAAAD///8AAAAAAQAAAAAAAAAAAAAAAAAAAAAAAAAAAAAAAAAAAAAAAAAAAAAAAH9/fwAAAAADzMzMAMDA/wB/f38AAAAAAAAAAAAAAAAAAAAAAAAAAAAhAAAAGAAAABQAAAAAAAAAAAAAAAAAAAAAAAAAEAAAACYAAAAIAAAAPJEAAAAAAAA="/>
+                <pr:smNativeData xmlns:pr="smNativeData" xmlns:p14="http://schemas.microsoft.com/office/powerpoint/2010/main" xmlns="" val="SMDATA_13_eIVQYBMAAAAlAAAAEgAAAA0AAAAAAAAAAAAAAAAAAAAAAAAAAAAAAAAAAAAAAAAAAAEAAABQAAAAAAAAAAAA4D8AAAAAAADgPwAAAAAAAOA/AAAAAAAA4D8AAAAAAADgPwAAAAAAAOA/AAAAAAAA4D8AAAAAAADgPwAAAAAAAOA/AAAAAAAA4D8CAAAAjAAAAAAAAAAAAAAA////AP///wgAAAAAAAAAAAAAAAAAAAAAAAAAAAAAAAAAAAAAeAAAAAEAAABAAAAAAAAAAAAAAABaAAAAAAAAAAAAAAAAAAAAAAAAAAAAAAAAAAAAAAAAAAAAAAAAAAAAAAAAAAAAAAAAAAAAAAAAAAAAAAAAAAAAAAAAAAAAAAAAAAAAFAAAADwAAAAAAAAAAAAAAAAAAAAPAAAAAQAAACMAAAAjAAAAIwAAAB4AAAAAAAAAZAAAAGQAAAAAAAAAZAAAAGQAAAAVAAAAYAAAAAAAAAAAAAAADwAAACADAAAAAAAAAAAAAAEAAACgMgAAVgcAAKr4//8BAAAAf39/AAEAAABkAAAAAAAAABQAAABAHwAAAAAAACYAAAAAAAAAwOD//wAAAAAmAAAAZAAAABYAAABMAAAAAAAAAAAAAAAEAAAAAAAAAAEAAADu7OEKAAAAACgAAAAoAAAAZAAAAGQAAAAAAAAAzMzMAAAAAABQAAAAUAAAAGQAAABkAAAAAAAAABcAAAAUAAAAAAAAAAAAAAD/fwAA/38AAAAAAAAJAAAABAAAAEEAQQAMAAAAEAAAAAAAAAAAAAAAAAAAAAAAAAAeAAAAaAAAAAAAAAAAAAAAAAAAAAAAAAAAAAAAECcAABAnAAAAAAAAAAAAAAAAAAAAAAAAAAAAAAAAAAAAAAAAAAAAABQAAAAAAAAAwMD/AAAAAABkAAAAMgAAAAAAAABkAAAAAAAAAH9/fwAKAAAAHwAAAFQAAAD///8AAAAAAQAAAAAAAAAAAAAAAAAAAAAAAAAAAAAAAAAAAAAAAAAAAAAAAH9/fwAAAAADzMzMAMDA/wB/f38AAAAAAAAAAAAAAAAAAAAAAAAAAAAhAAAAGAAAABQAAAAAAAAAAAAAAAAAAAAAAAAAEAAAACYAAAAIAAAAPJEAAAAAAAA="/>
               </a:ext>
             </a:extLst>
           </p:cNvSpPr>
@@ -1732,7 +1768,6 @@
               <a:rPr lang="en-gb"/>
               <a:t>The Protection of Bystanders’ Privacy - Seminar on Privacy in Ubiquitous Computing</a:t>
             </a:r>
-            <a:endParaRPr lang="en-gb"/>
           </a:p>
         </p:txBody>
       </p:sp>
@@ -1743,7 +1778,7 @@
             <a:spLocks noGrp="1" noChangeArrowheads="1"/>
             <a:extLst>
               <a:ext uri="smNativeData">
-                <pr:smNativeData xmlns:pr="smNativeData" val="SMDATA_13_eIVQYBMAAAAlAAAAZAAAAA0AAAAAAAAAAAAAAAAAAAAAAAAAAAAAAAAAAAAAAAAAAAEAAABQAAAAAAAAAAAA4D8AAAAAAADgPwAAAAAAAOA/AAAAAAAA4D8AAAAAAADgPwAAAAAAAOA/AAAAAAAA4D8AAAAAAADgPwAAAAAAAOA/AAAAAAAA4D8CAAAAjAAAAAAAAAAAAAAA////AP///wgAAAAAAAAAAAAAAAAAAAAAAAAAAAAAAAAAAAAAeAAAAAEAAABAAAAAAAAAAAAAAABaAAAAAAAAAAAAAAAAAAAAAAAAAAAAAAAAAAAAAAAAAAAAAAAAAAAAAAAAAAAAAAAAAAAAAAAAAAAAAAAAAAAAAAAAAAAAAAAAAAAAFAAAADwAAAAAAAAAAAAAAAAAAAAPAAAAAQAAACMAAAAjAAAAIwAAAB4AAAAAAAAAZAAAAGQAAAAAAAAAZAAAAGQAAAAVAAAAYAAAAAAAAAAAAAAADwAAACADAAAAAAAAAAAAAAEAAACgMgAAVgcAAKr4//8BAAAAf39/AAEAAABkAAAAAAAAABQAAABAHwAAAAAAACYAAAAAAAAAwOD//wAAAAAmAAAAZAAAABYAAABMAAAAAAAAAAAAAAAEAAAAAAAAAAEAAADu7OEKAAAAACgAAAAoAAAAZAAAAGQAAAAAAAAAzMzMAAAAAABQAAAAUAAAAGQAAABkAAAAAAAAABcAAAAUAAAAAAAAAAAAAAD/fwAA/38AAAAAAAAJAAAABAAAAAAAAAAMAAAAEAAAAAAAAAAAAAAAAAAAAAAAAAAeAAAAaAAAAAAAAAAAAAAAAAAAAAAAAAAAAAAAECcAABAnAAAAAAAAAAAAAAAAAAAAAAAAAAAAAAAAAAAAAAAAAAAAABQAAAAAAAAAwMD/AAAAAABkAAAAMgAAAAAAAABkAAAAAAAAAH9/fwAKAAAAHwAAAFQAAAD///8AAAAAAQAAAAAAAAAAAAAAAAAAAAAAAAAAAAAAAAAAAAAAAAAAAAAAAH9/fwAAAAADzMzMAMDA/wB/f38AAAAAAAAAAAAAAAAAAAAAAAAAAAAhAAAAGAAAABQAAADqAQAA4DgAAPAKAACYOgAAEAAAACYAAAAIAAAAPJAAAAAAAAA="/>
+                <pr:smNativeData xmlns:pr="smNativeData" xmlns:p14="http://schemas.microsoft.com/office/powerpoint/2010/main" xmlns="" val="SMDATA_13_eIVQYBMAAAAlAAAAZAAAAA0AAAAAAAAAAAAAAAAAAAAAAAAAAAAAAAAAAAAAAAAAAAEAAABQAAAAAAAAAAAA4D8AAAAAAADgPwAAAAAAAOA/AAAAAAAA4D8AAAAAAADgPwAAAAAAAOA/AAAAAAAA4D8AAAAAAADgPwAAAAAAAOA/AAAAAAAA4D8CAAAAjAAAAAAAAAAAAAAA////AP///wgAAAAAAAAAAAAAAAAAAAAAAAAAAAAAAAAAAAAAeAAAAAEAAABAAAAAAAAAAAAAAABaAAAAAAAAAAAAAAAAAAAAAAAAAAAAAAAAAAAAAAAAAAAAAAAAAAAAAAAAAAAAAAAAAAAAAAAAAAAAAAAAAAAAAAAAAAAAAAAAAAAAFAAAADwAAAAAAAAAAAAAAAAAAAAPAAAAAQAAACMAAAAjAAAAIwAAAB4AAAAAAAAAZAAAAGQAAAAAAAAAZAAAAGQAAAAVAAAAYAAAAAAAAAAAAAAADwAAACADAAAAAAAAAAAAAAEAAACgMgAAVgcAAKr4//8BAAAAf39/AAEAAABkAAAAAAAAABQAAABAHwAAAAAAACYAAAAAAAAAwOD//wAAAAAmAAAAZAAAABYAAABMAAAAAAAAAAAAAAAEAAAAAAAAAAEAAADu7OEKAAAAACgAAAAoAAAAZAAAAGQAAAAAAAAAzMzMAAAAAABQAAAAUAAAAGQAAABkAAAAAAAAABcAAAAUAAAAAAAAAAAAAAD/fwAA/38AAAAAAAAJAAAABAAAAAAAAAAMAAAAEAAAAAAAAAAAAAAAAAAAAAAAAAAeAAAAaAAAAAAAAAAAAAAAAAAAAAAAAAAAAAAAECcAABAnAAAAAAAAAAAAAAAAAAAAAAAAAAAAAAAAAAAAAAAAAAAAABQAAAAAAAAAwMD/AAAAAABkAAAAMgAAAAAAAABkAAAAAAAAAH9/fwAKAAAAHwAAAFQAAAD///8AAAAAAQAAAAAAAAAAAAAAAAAAAAAAAAAAAAAAAAAAAAAAAAAAAAAAAH9/fwAAAAADzMzMAMDA/wB/f38AAAAAAAAAAAAAAAAAAAAAAAAAAAAhAAAAGAAAABQAAADqAQAA4DgAAPAKAACYOgAAEAAAACYAAAAIAAAAPJAAAAAAAAA="/>
               </a:ext>
             </a:extLst>
           </p:cNvSpPr>
@@ -1808,7 +1843,7 @@
             <a:spLocks noGrp="1" noChangeArrowheads="1"/>
             <a:extLst>
               <a:ext uri="smNativeData">
-                <pr:smNativeData xmlns:pr="smNativeData" val="SMDATA_13_eIVQYBMAAAAlAAAAZAAAAA0AAAAAAAAAAAAAAAAAAAAAAAAAAAAAAAAAAAAAAAAAAAEAAABQAAAAAAAAAAAA4D8AAAAAAADgPwAAAAAAAOA/AAAAAAAA4D8AAAAAAADgPwAAAAAAAOA/AAAAAAAA4D8AAAAAAADgPwAAAAAAAOA/AAAAAAAA4D8CAAAAjAAAAAAAAAAAAAAA////AP///wgAAAAAAAAAAAAAAAAAAAAAAAAAAAAAAAAAAAAAeAAAAAEAAABAAAAAAAAAAAAAAABaAAAAAAAAAAAAAAAAAAAAAAAAAAAAAAAAAAAAAAAAAAAAAAAAAAAAAAAAAAAAAAAAAAAAAAAAAAAAAAAAAAAAAAAAAAAAAAAAAAAAFAAAADwAAAAAAAAAAAAAAAAAAAAPAAAAAQAAACMAAAAjAAAAIwAAAB4AAAAAAAAAZAAAAGQAAAAAAAAAZAAAAGQAAAAVAAAAYAAAAAAAAAAAAAAADwAAACADAAAAAAAAAAAAAAEAAACgMgAAVgcAAKr4//8BAAAAf39/AAEAAABkAAAAAAAAABQAAABAHwAAAAAAACYAAAAAAAAAwOD//wAAAAAmAAAAZAAAABYAAABMAAAAAAAAAAAAAAAEAAAAAAAAAAEAAADu7OEKAAAAACgAAAAoAAAAZAAAAGQAAAAAAAAAzMzMAAAAAABQAAAAUAAAAGQAAABkAAAAAAAAABcAAAAUAAAAAAAAAAAAAAD/fwAA/38AAAAAAAAJAAAABAAAAAAAAAAMAAAAEAAAAAAAAAAAAAAAAAAAAAAAAAAeAAAAaAAAAAAAAAAAAAAAAAAAAAAAAAAAAAAAECcAABAnAAAAAAAAAAAAAAAAAAAAAAAAAAAAAAAAAAAAAAAAAAAAABQAAAAAAAAAwMD/AAAAAABkAAAAMgAAAAAAAABkAAAAAAAAAH9/fwAKAAAAHwAAAFQAAAD///8AAAAAAQAAAAAAAAAAAAAAAAAAAAAAAAAAAAAAAAAAAAAAAAAAAAAAAH9/fwAAAAADzMzMAMDA/wB/f38AAAAAAAAAAAAAAAAAAAAAAAAAAAAhAAAAGAAAABQAAADQSAAAGDkAABZOAACYOgAAEAAAACYAAAAIAAAAPJAAAAAAAAA="/>
+                <pr:smNativeData xmlns:pr="smNativeData" xmlns:p14="http://schemas.microsoft.com/office/powerpoint/2010/main" xmlns="" val="SMDATA_13_eIVQYBMAAAAlAAAAZAAAAA0AAAAAAAAAAAAAAAAAAAAAAAAAAAAAAAAAAAAAAAAAAAEAAABQAAAAAAAAAAAA4D8AAAAAAADgPwAAAAAAAOA/AAAAAAAA4D8AAAAAAADgPwAAAAAAAOA/AAAAAAAA4D8AAAAAAADgPwAAAAAAAOA/AAAAAAAA4D8CAAAAjAAAAAAAAAAAAAAA////AP///wgAAAAAAAAAAAAAAAAAAAAAAAAAAAAAAAAAAAAAeAAAAAEAAABAAAAAAAAAAAAAAABaAAAAAAAAAAAAAAAAAAAAAAAAAAAAAAAAAAAAAAAAAAAAAAAAAAAAAAAAAAAAAAAAAAAAAAAAAAAAAAAAAAAAAAAAAAAAAAAAAAAAFAAAADwAAAAAAAAAAAAAAAAAAAAPAAAAAQAAACMAAAAjAAAAIwAAAB4AAAAAAAAAZAAAAGQAAAAAAAAAZAAAAGQAAAAVAAAAYAAAAAAAAAAAAAAADwAAACADAAAAAAAAAAAAAAEAAACgMgAAVgcAAKr4//8BAAAAf39/AAEAAABkAAAAAAAAABQAAABAHwAAAAAAACYAAAAAAAAAwOD//wAAAAAmAAAAZAAAABYAAABMAAAAAAAAAAAAAAAEAAAAAAAAAAEAAADu7OEKAAAAACgAAAAoAAAAZAAAAGQAAAAAAAAAzMzMAAAAAABQAAAAUAAAAGQAAABkAAAAAAAAABcAAAAUAAAAAAAAAAAAAAD/fwAA/38AAAAAAAAJAAAABAAAAAAAAAAMAAAAEAAAAAAAAAAAAAAAAAAAAAAAAAAeAAAAaAAAAAAAAAAAAAAAAAAAAAAAAAAAAAAAECcAABAnAAAAAAAAAAAAAAAAAAAAAAAAAAAAAAAAAAAAAAAAAAAAABQAAAAAAAAAwMD/AAAAAABkAAAAMgAAAAAAAABkAAAAAAAAAH9/fwAKAAAAHwAAAFQAAAD///8AAAAAAQAAAAAAAAAAAAAAAAAAAAAAAAAAAAAAAAAAAAAAAAAAAAAAAH9/fwAAAAADzMzMAMDA/wB/f38AAAAAAAAAAAAAAAAAAAAAAAAAAAAhAAAAGAAAABQAAADQSAAAGDkAABZOAACYOgAAEAAAACYAAAAIAAAAPJAAAAAAAAA="/>
               </a:ext>
             </a:extLst>
           </p:cNvSpPr>
@@ -1863,6 +1898,7 @@
             <a:fld id="{14E970EE-A0F9-BC86-B751-56D33E1F4103}" type="slidenum">
               <a:t>‹#›</a:t>
             </a:fld>
+            <a:endParaRPr/>
           </a:p>
         </p:txBody>
       </p:sp>
@@ -1875,7 +1911,7 @@
 </file>
 
 <file path=ppt/slideLayouts/slideLayout3.xml><?xml version="1.0" encoding="utf-8"?>
-<p:sldLayout xmlns:p="http://schemas.openxmlformats.org/presentationml/2006/main" xmlns:p14="http://schemas.microsoft.com/office/powerpoint/2010/main" xmlns:r="http://schemas.openxmlformats.org/officeDocument/2006/relationships" xmlns:a="http://schemas.openxmlformats.org/drawingml/2006/main" type="blank" preserve="1">
+<p:sldLayout xmlns:a="http://schemas.openxmlformats.org/drawingml/2006/main" xmlns:r="http://schemas.openxmlformats.org/officeDocument/2006/relationships" xmlns:p="http://schemas.openxmlformats.org/presentationml/2006/main" type="blank" preserve="1">
   <p:cSld name="Aufzählung">
     <p:spTree>
       <p:nvGrpSpPr>
@@ -1898,7 +1934,7 @@
             <a:spLocks noGrp="1" noChangeArrowheads="1"/>
             <a:extLst>
               <a:ext uri="smNativeData">
-                <pr:smNativeData xmlns:pr="smNativeData" val="SMDATA_13_eIVQYBMAAAAlAAAAZAAAAA0AAAAAAAAAAAAAAAAAAAAAAAAAAAAAAAAAAAAAAAAAAAEAAABQAAAAAAAAAAAA4D8AAAAAAADgPwAAAAAAAOA/AAAAAAAA4D8AAAAAAADgPwAAAAAAAOA/AAAAAAAA4D8AAAAAAADgPwAAAAAAAOA/AAAAAAAA4D8CAAAAjAAAAAAAAAAAAAAA////AP///wgAAAAAAAAAAAAAAAAAAAAAAAAAAAAAAAAAAAAAeAAAAAEAAABAAAAAAAAAAAAAAABaAAAAAAAAAAAAAAAAAAAAAAAAAAAAAAAAAAAAAAAAAAAAAAAAAAAAAAAAAAAAAAAAAAAAAAAAAAAAAAAAAAAAAAAAAAAAAAAAAAAAFAAAADwAAAAAAAAAAAAAAAAAAAAPAAAAAQAAACMAAAAjAAAAIwAAAB4AAAAAAAAAZAAAAGQAAAAAAAAAZAAAAGQAAAAVAAAAYAAAAAAAAAAAAAAADwAAACADAAAAAAAAAAAAAAEAAACgMgAAVgcAAKr4//8BAAAAf39/AAEAAABkAAAAAAAAABQAAABAHwAAAAAAACYAAAAAAAAAwOD//wAAAAAmAAAAZAAAABYAAABMAAAAAAAAAAAAAAAEAAAAAAAAAAEAAADu7OEKAAAAACgAAAAoAAAAZAAAAGQAAAAAAAAAzMzMAAAAAABQAAAAUAAAAGQAAABkAAAAAAAAABcAAAAUAAAAAAAAAAAAAAD/fwAA/38AAAAAAAAJAAAABAAAAEEAQQAMAAAAEAAAAAAAAAAAAAAAAAAAAAAAAAAeAAAAaAAAAAAAAAAAAAAAAAAAAAAAAAAAAAAAECcAABAnAAAAAAAAAAAAAAAAAAAAAAAAAAAAAAAAAAAAAAAAAAAAABQAAAAAAAAAwMD/AAAAAABkAAAAMgAAAAAAAABkAAAAAAAAAH9/fwAKAAAAHwAAAFQAAAD///8AAAAAAQAAAAAAAAAAAAAAAAAAAAAAAAAAAAAAAAAAAAAAAAAAAAAAAH9/fwAAAAADzMzMAMDA/wB/f38AAAAAAAAAAAAAAAAAAAAAAAAAAAAhAAAAGAAAABQAAADIBQAAiQsAAHpIAACzDwAAEAAAACYAAAAIAAAAPZAAAAAAAAA="/>
+                <pr:smNativeData xmlns:pr="smNativeData" xmlns:p14="http://schemas.microsoft.com/office/powerpoint/2010/main" xmlns="" val="SMDATA_13_eIVQYBMAAAAlAAAAZAAAAA0AAAAAAAAAAAAAAAAAAAAAAAAAAAAAAAAAAAAAAAAAAAEAAABQAAAAAAAAAAAA4D8AAAAAAADgPwAAAAAAAOA/AAAAAAAA4D8AAAAAAADgPwAAAAAAAOA/AAAAAAAA4D8AAAAAAADgPwAAAAAAAOA/AAAAAAAA4D8CAAAAjAAAAAAAAAAAAAAA////AP///wgAAAAAAAAAAAAAAAAAAAAAAAAAAAAAAAAAAAAAeAAAAAEAAABAAAAAAAAAAAAAAABaAAAAAAAAAAAAAAAAAAAAAAAAAAAAAAAAAAAAAAAAAAAAAAAAAAAAAAAAAAAAAAAAAAAAAAAAAAAAAAAAAAAAAAAAAAAAAAAAAAAAFAAAADwAAAAAAAAAAAAAAAAAAAAPAAAAAQAAACMAAAAjAAAAIwAAAB4AAAAAAAAAZAAAAGQAAAAAAAAAZAAAAGQAAAAVAAAAYAAAAAAAAAAAAAAADwAAACADAAAAAAAAAAAAAAEAAACgMgAAVgcAAKr4//8BAAAAf39/AAEAAABkAAAAAAAAABQAAABAHwAAAAAAACYAAAAAAAAAwOD//wAAAAAmAAAAZAAAABYAAABMAAAAAAAAAAAAAAAEAAAAAAAAAAEAAADu7OEKAAAAACgAAAAoAAAAZAAAAGQAAAAAAAAAzMzMAAAAAABQAAAAUAAAAGQAAABkAAAAAAAAABcAAAAUAAAAAAAAAAAAAAD/fwAA/38AAAAAAAAJAAAABAAAAEEAQQAMAAAAEAAAAAAAAAAAAAAAAAAAAAAAAAAeAAAAaAAAAAAAAAAAAAAAAAAAAAAAAAAAAAAAECcAABAnAAAAAAAAAAAAAAAAAAAAAAAAAAAAAAAAAAAAAAAAAAAAABQAAAAAAAAAwMD/AAAAAABkAAAAMgAAAAAAAABkAAAAAAAAAH9/fwAKAAAAHwAAAFQAAAD///8AAAAAAQAAAAAAAAAAAAAAAAAAAAAAAAAAAAAAAAAAAAAAAAAAAAAAAH9/fwAAAAADzMzMAMDA/wB/f38AAAAAAAAAAAAAAAAAAAAAAAAAAAAhAAAAGAAAABQAAADIBQAAiQsAAHpIAACzDwAAEAAAACYAAAAIAAAAPZAAAAAAAAA="/>
               </a:ext>
             </a:extLst>
           </p:cNvSpPr>
@@ -1958,6 +1994,7 @@
             <a:pPr>
               <a:defRPr lang="de-de"/>
             </a:pPr>
+            <a:endParaRPr/>
           </a:p>
         </p:txBody>
       </p:sp>
@@ -1968,7 +2005,7 @@
             <a:spLocks noGrp="1" noChangeArrowheads="1"/>
             <a:extLst>
               <a:ext uri="smNativeData">
-                <pr:smNativeData xmlns:pr="smNativeData" val="SMDATA_13_eIVQYBMAAAAlAAAAZAAAAA0AAAAAAAAAAAAAAAAAAAAAAAAAAAAAAAAAAAAAAAAAAAEAAABQAAAAAAAAAAAA4D8AAAAAAADgPwAAAAAAAOA/AAAAAAAA4D8AAAAAAADgPwAAAAAAAOA/AAAAAAAA4D8AAAAAAADgPwAAAAAAAOA/AAAAAAAA4D8CAAAAjAAAAAAAAAAAAAAA////AP///wgAAAAAAAAAAAAAAAAAAAAAAAAAAAAAAAAAAAAAeAAAAAEAAABAAAAAAAAAAAAAAABaAAAAAAAAAAAAAAAAAAAAAAAAAAAAAAAAAAAAAAAAAAAAAAAAAAAAAAAAAAAAAAAAAAAAAAAAAAAAAAAAAAAAAAAAAAAAAAAAAAAAFAAAADwAAAAAAAAAAAAAAAAAAAAPAAAAAQAAACMAAAAjAAAAIwAAAB4AAAAAAAAAZAAAAGQAAAAAAAAAZAAAAGQAAAAVAAAAYAAAAAAAAAAAAAAADwAAACADAAAAAAAAAAAAAAEAAACgMgAAVgcAAKr4//8BAAAAf39/AAEAAABkAAAAAAAAABQAAABAHwAAAAAAACYAAAAAAAAAwOD//wAAAAAmAAAAZAAAABYAAABMAAAAAAAAAAAAAAAEAAAAAAAAAAEAAADu7OEKAAAAACgAAAAoAAAAZAAAAGQAAAAAAAAAzMzMAAAAAABQAAAAUAAAAGQAAABkAAAAAAAAABcAAAAUAAAAAAAAAAAAAAD/fwAA/38AAAAAAAAJAAAABAAAAEQALwAMAAAAEAAAAAAAAAAAAAAAAAAAAAAAAAAeAAAAaAAAAAAAAAAAAAAAAAAAAAAAAAAAAAAAECcAABAnAAAAAAAAAAAAAAAAAAAAAAAAAAAAAAAAAAAAAAAAAAAAABQAAAAAAAAAwMD/AAAAAABkAAAAMgAAAAAAAABkAAAAAAAAAH9/fwAKAAAAHwAAAFQAAAD///8AAAAAAQAAAAAAAAAAAAAAAAAAAAAAAAAAAAAAAAAAAAAAAAAAAAAAAH9/fwAAAAADzMzMAMDA/wB/f38AAAAAAAAAAAAAAAAAAAAAAAAAAAAhAAAAGAAAABQAAADIBQAAwBIAAHpIAACaIQAAEAAAACYAAAAIAAAAPZAAAAAAAAA="/>
+                <pr:smNativeData xmlns:pr="smNativeData" xmlns:p14="http://schemas.microsoft.com/office/powerpoint/2010/main" xmlns="" val="SMDATA_13_eIVQYBMAAAAlAAAAZAAAAA0AAAAAAAAAAAAAAAAAAAAAAAAAAAAAAAAAAAAAAAAAAAEAAABQAAAAAAAAAAAA4D8AAAAAAADgPwAAAAAAAOA/AAAAAAAA4D8AAAAAAADgPwAAAAAAAOA/AAAAAAAA4D8AAAAAAADgPwAAAAAAAOA/AAAAAAAA4D8CAAAAjAAAAAAAAAAAAAAA////AP///wgAAAAAAAAAAAAAAAAAAAAAAAAAAAAAAAAAAAAAeAAAAAEAAABAAAAAAAAAAAAAAABaAAAAAAAAAAAAAAAAAAAAAAAAAAAAAAAAAAAAAAAAAAAAAAAAAAAAAAAAAAAAAAAAAAAAAAAAAAAAAAAAAAAAAAAAAAAAAAAAAAAAFAAAADwAAAAAAAAAAAAAAAAAAAAPAAAAAQAAACMAAAAjAAAAIwAAAB4AAAAAAAAAZAAAAGQAAAAAAAAAZAAAAGQAAAAVAAAAYAAAAAAAAAAAAAAADwAAACADAAAAAAAAAAAAAAEAAACgMgAAVgcAAKr4//8BAAAAf39/AAEAAABkAAAAAAAAABQAAABAHwAAAAAAACYAAAAAAAAAwOD//wAAAAAmAAAAZAAAABYAAABMAAAAAAAAAAAAAAAEAAAAAAAAAAEAAADu7OEKAAAAACgAAAAoAAAAZAAAAGQAAAAAAAAAzMzMAAAAAABQAAAAUAAAAGQAAABkAAAAAAAAABcAAAAUAAAAAAAAAAAAAAD/fwAA/38AAAAAAAAJAAAABAAAAEQALwAMAAAAEAAAAAAAAAAAAAAAAAAAAAAAAAAeAAAAaAAAAAAAAAAAAAAAAAAAAAAAAAAAAAAAECcAABAnAAAAAAAAAAAAAAAAAAAAAAAAAAAAAAAAAAAAAAAAAAAAABQAAAAAAAAAwMD/AAAAAABkAAAAMgAAAAAAAABkAAAAAAAAAH9/fwAKAAAAHwAAAFQAAAD///8AAAAAAQAAAAAAAAAAAAAAAAAAAAAAAAAAAAAAAAAAAAAAAAAAAAAAAH9/fwAAAAADzMzMAMDA/wB/f38AAAAAAAAAAAAAAAAAAAAAAAAAAAAhAAAAGAAAABQAAADIBQAAwBIAAHpIAACaIQAAEAAAACYAAAAIAAAAPZAAAAAAAAA="/>
               </a:ext>
             </a:extLst>
           </p:cNvSpPr>
@@ -2000,7 +2037,7 @@
                 <a:schemeClr val="accent1"/>
               </a:buClr>
               <a:buSzPts val="2910"/>
-              <a:buFont typeface="Wingdings" pitchFamily="0" charset="0"/>
+              <a:buFont typeface="Wingdings" charset="0"/>
               <a:buChar char="§"/>
               <a:tabLst/>
               <a:defRPr lang="de-de" sz="2800" b="0" i="0" baseline="0">
@@ -2031,7 +2068,7 @@
               <a:lnSpc>
                 <a:spcPct val="150000"/>
               </a:lnSpc>
-              <a:buFont typeface="Wingdings" pitchFamily="0" charset="0"/>
+              <a:buFont typeface="Wingdings" charset="0"/>
               <a:buChar char="§"/>
               <a:defRPr lang="de-de" sz="2000" b="0" i="0" baseline="0">
                 <a:solidFill>
@@ -2102,7 +2139,7 @@
             <a:spLocks noGrp="1" noChangeArrowheads="1"/>
             <a:extLst>
               <a:ext uri="smNativeData">
-                <pr:smNativeData xmlns:pr="smNativeData" val="SMDATA_13_eIVQYBMAAAAlAAAAZAAAAA0AAAAAAAAAAAAAAAAAAAAAAAAAAAAAAAAAAAAAAAAAAAEAAABQAAAAAAAAAAAA4D8AAAAAAADgPwAAAAAAAOA/AAAAAAAA4D8AAAAAAADgPwAAAAAAAOA/AAAAAAAA4D8AAAAAAADgPwAAAAAAAOA/AAAAAAAA4D8CAAAAjAAAAAAAAAAAAAAA////AP///wgAAAAAAAAAAAAAAAAAAAAAAAAAAAAAAAAAAAAAeAAAAAEAAABAAAAAAAAAAAAAAABaAAAAAAAAAAAAAAAAAAAAAAAAAAAAAAAAAAAAAAAAAAAAAAAAAAAAAAAAAAAAAAAAAAAAAAAAAAAAAAAAAAAAAAAAAAAAAAAAAAAAFAAAADwAAAAAAAAAAAAAAAAAAAAPAAAAAQAAACMAAAAjAAAAIwAAAB4AAAAAAAAAZAAAAGQAAAAAAAAAZAAAAGQAAAAVAAAAYAAAAAAAAAAAAAAADwAAACADAAAAAAAAAAAAAAEAAACgMgAAVgcAAKr4//8BAAAAf39/AAEAAABkAAAAAAAAABQAAABAHwAAAAAAACYAAAAAAAAAwOD//wAAAAAmAAAAZAAAABYAAABMAAAAAAAAAAAAAAAEAAAAAAAAAAEAAADu7OEKAAAAACgAAAAoAAAAZAAAAGQAAAAAAAAAzMzMAAAAAABQAAAAUAAAAGQAAABkAAAAAAAAABcAAAAUAAAAAAAAAAAAAAD/fwAA/38AAAAAAAAJAAAABAAAAAAAAAAMAAAAEAAAAAAAAAAAAAAAAAAAAAAAAAAeAAAAaAAAAAAAAAAAAAAAAAAAAAAAAAAAAAAAECcAABAnAAAAAAAAAAAAAAAAAAAAAAAAAAAAAAAAAAAAAAAAAAAAABQAAAAAAAAAwMD/AAAAAABkAAAAMgAAAAAAAABkAAAAAAAAAH9/fwAKAAAAHwAAAFQAAAD///8AAAAAAQAAAAAAAAAAAAAAAAAAAAAAAAAAAAAAAAAAAAAAAAAAAAAAAH9/fwAAAAADzMzMAMDA/wB/f38AAAAAAAAAAAAAAAAAAAAAAAAAAAAhAAAAGAAAABQAAADqAQAA4DgAAPAKAACYOgAAEAAAACYAAAAIAAAAPJAAAAAAAAA="/>
+                <pr:smNativeData xmlns:pr="smNativeData" xmlns:p14="http://schemas.microsoft.com/office/powerpoint/2010/main" xmlns="" val="SMDATA_13_eIVQYBMAAAAlAAAAZAAAAA0AAAAAAAAAAAAAAAAAAAAAAAAAAAAAAAAAAAAAAAAAAAEAAABQAAAAAAAAAAAA4D8AAAAAAADgPwAAAAAAAOA/AAAAAAAA4D8AAAAAAADgPwAAAAAAAOA/AAAAAAAA4D8AAAAAAADgPwAAAAAAAOA/AAAAAAAA4D8CAAAAjAAAAAAAAAAAAAAA////AP///wgAAAAAAAAAAAAAAAAAAAAAAAAAAAAAAAAAAAAAeAAAAAEAAABAAAAAAAAAAAAAAABaAAAAAAAAAAAAAAAAAAAAAAAAAAAAAAAAAAAAAAAAAAAAAAAAAAAAAAAAAAAAAAAAAAAAAAAAAAAAAAAAAAAAAAAAAAAAAAAAAAAAFAAAADwAAAAAAAAAAAAAAAAAAAAPAAAAAQAAACMAAAAjAAAAIwAAAB4AAAAAAAAAZAAAAGQAAAAAAAAAZAAAAGQAAAAVAAAAYAAAAAAAAAAAAAAADwAAACADAAAAAAAAAAAAAAEAAACgMgAAVgcAAKr4//8BAAAAf39/AAEAAABkAAAAAAAAABQAAABAHwAAAAAAACYAAAAAAAAAwOD//wAAAAAmAAAAZAAAABYAAABMAAAAAAAAAAAAAAAEAAAAAAAAAAEAAADu7OEKAAAAACgAAAAoAAAAZAAAAGQAAAAAAAAAzMzMAAAAAABQAAAAUAAAAGQAAABkAAAAAAAAABcAAAAUAAAAAAAAAAAAAAD/fwAA/38AAAAAAAAJAAAABAAAAAAAAAAMAAAAEAAAAAAAAAAAAAAAAAAAAAAAAAAeAAAAaAAAAAAAAAAAAAAAAAAAAAAAAAAAAAAAECcAABAnAAAAAAAAAAAAAAAAAAAAAAAAAAAAAAAAAAAAAAAAAAAAABQAAAAAAAAAwMD/AAAAAABkAAAAMgAAAAAAAABkAAAAAAAAAH9/fwAKAAAAHwAAAFQAAAD///8AAAAAAQAAAAAAAAAAAAAAAAAAAAAAAAAAAAAAAAAAAAAAAAAAAAAAAH9/fwAAAAADzMzMAMDA/wB/f38AAAAAAAAAAAAAAAAAAAAAAAAAAAAhAAAAGAAAABQAAADqAQAA4DgAAPAKAACYOgAAEAAAACYAAAAIAAAAPJAAAAAAAAA="/>
               </a:ext>
             </a:extLst>
           </p:cNvSpPr>
@@ -2167,7 +2204,7 @@
             <a:spLocks noGrp="1" noChangeArrowheads="1"/>
             <a:extLst>
               <a:ext uri="smNativeData">
-                <pr:smNativeData xmlns:pr="smNativeData" val="SMDATA_13_eIVQYBMAAAAlAAAAZAAAAA0AAAAAAAAAAAAAAAAAAAAAAAAAAAAAAAAAAAAAAAAAAAEAAABQAAAAAAAAAAAA4D8AAAAAAADgPwAAAAAAAOA/AAAAAAAA4D8AAAAAAADgPwAAAAAAAOA/AAAAAAAA4D8AAAAAAADgPwAAAAAAAOA/AAAAAAAA4D8CAAAAjAAAAAAAAAAAAAAA////AP///wgAAAAAAAAAAAAAAAAAAAAAAAAAAAAAAAAAAAAAeAAAAAEAAABAAAAAAAAAAAAAAABaAAAAAAAAAAAAAAAAAAAAAAAAAAAAAAAAAAAAAAAAAAAAAAAAAAAAAAAAAAAAAAAAAAAAAAAAAAAAAAAAAAAAAAAAAAAAAAAAAAAAFAAAADwAAAAAAAAAAAAAAAAAAAAPAAAAAQAAACMAAAAjAAAAIwAAAB4AAAAAAAAAZAAAAGQAAAAAAAAAZAAAAGQAAAAVAAAAYAAAAAAAAAAAAAAADwAAACADAAAAAAAAAAAAAAEAAACgMgAAVgcAAKr4//8BAAAAf39/AAEAAABkAAAAAAAAABQAAABAHwAAAAAAACYAAAAAAAAAwOD//wAAAAAmAAAAZAAAABYAAABMAAAAAAAAAAAAAAAEAAAAAAAAAAEAAADu7OEKAAAAACgAAAAoAAAAZAAAAGQAAAAAAAAAzMzMAAAAAABQAAAAUAAAAGQAAABkAAAAAAAAABcAAAAUAAAAAAAAAAAAAAD/fwAA/38AAAAAAAAJAAAABAAAAAAAAAAMAAAAEAAAAAAAAAAAAAAAAAAAAAAAAAAeAAAAaAAAAAAAAAAAAAAAAAAAAAAAAAAAAAAAECcAABAnAAAAAAAAAAAAAAAAAAAAAAAAAAAAAAAAAAAAAAAAAAAAABQAAAAAAAAAwMD/AAAAAABkAAAAMgAAAAAAAABkAAAAAAAAAH9/fwAKAAAAHwAAAFQAAAD///8AAAAAAQAAAAAAAAAAAAAAAAAAAAAAAAAAAAAAAAAAAAAAAAAAAAAAAH9/fwAAAAADzMzMAMDA/wB/f38AAAAAAAAAAAAAAAAAAAAAAAAAAAAhAAAAGAAAABQAAADQSAAAGDkAABZOAACYOgAAEAAAACYAAAAIAAAAPJAAAAAAAAA="/>
+                <pr:smNativeData xmlns:pr="smNativeData" xmlns:p14="http://schemas.microsoft.com/office/powerpoint/2010/main" xmlns="" val="SMDATA_13_eIVQYBMAAAAlAAAAZAAAAA0AAAAAAAAAAAAAAAAAAAAAAAAAAAAAAAAAAAAAAAAAAAEAAABQAAAAAAAAAAAA4D8AAAAAAADgPwAAAAAAAOA/AAAAAAAA4D8AAAAAAADgPwAAAAAAAOA/AAAAAAAA4D8AAAAAAADgPwAAAAAAAOA/AAAAAAAA4D8CAAAAjAAAAAAAAAAAAAAA////AP///wgAAAAAAAAAAAAAAAAAAAAAAAAAAAAAAAAAAAAAeAAAAAEAAABAAAAAAAAAAAAAAABaAAAAAAAAAAAAAAAAAAAAAAAAAAAAAAAAAAAAAAAAAAAAAAAAAAAAAAAAAAAAAAAAAAAAAAAAAAAAAAAAAAAAAAAAAAAAAAAAAAAAFAAAADwAAAAAAAAAAAAAAAAAAAAPAAAAAQAAACMAAAAjAAAAIwAAAB4AAAAAAAAAZAAAAGQAAAAAAAAAZAAAAGQAAAAVAAAAYAAAAAAAAAAAAAAADwAAACADAAAAAAAAAAAAAAEAAACgMgAAVgcAAKr4//8BAAAAf39/AAEAAABkAAAAAAAAABQAAABAHwAAAAAAACYAAAAAAAAAwOD//wAAAAAmAAAAZAAAABYAAABMAAAAAAAAAAAAAAAEAAAAAAAAAAEAAADu7OEKAAAAACgAAAAoAAAAZAAAAGQAAAAAAAAAzMzMAAAAAABQAAAAUAAAAGQAAABkAAAAAAAAABcAAAAUAAAAAAAAAAAAAAD/fwAA/38AAAAAAAAJAAAABAAAAAAAAAAMAAAAEAAAAAAAAAAAAAAAAAAAAAAAAAAeAAAAaAAAAAAAAAAAAAAAAAAAAAAAAAAAAAAAECcAABAnAAAAAAAAAAAAAAAAAAAAAAAAAAAAAAAAAAAAAAAAAAAAABQAAAAAAAAAwMD/AAAAAABkAAAAMgAAAAAAAABkAAAAAAAAAH9/fwAKAAAAHwAAAFQAAAD///8AAAAAAQAAAAAAAAAAAAAAAAAAAAAAAAAAAAAAAAAAAAAAAAAAAAAAAH9/fwAAAAADzMzMAMDA/wB/f38AAAAAAAAAAAAAAAAAAAAAAAAAAAAhAAAAGAAAABQAAADQSAAAGDkAABZOAACYOgAAEAAAACYAAAAIAAAAPJAAAAAAAAA="/>
               </a:ext>
             </a:extLst>
           </p:cNvSpPr>
@@ -2222,6 +2259,7 @@
             <a:fld id="{1A1BBD7A-34F7-4E4B-B9A3-C21EF3ED4F97}" type="slidenum">
               <a:t>‹#›</a:t>
             </a:fld>
+            <a:endParaRPr/>
           </a:p>
         </p:txBody>
       </p:sp>
@@ -2232,7 +2270,7 @@
             <a:spLocks noGrp="1" noChangeArrowheads="1"/>
             <a:extLst>
               <a:ext uri="smNativeData">
-                <pr:smNativeData xmlns:pr="smNativeData" val="SMDATA_13_eIVQYBMAAAAlAAAAZAAAAA0AAAAAAAAAAAAAAAAAAAAAAAAAAAAAAAAAAAAAAAAAAAEAAABQAAAAAAAAAAAA4D8AAAAAAADgPwAAAAAAAOA/AAAAAAAA4D8AAAAAAADgPwAAAAAAAOA/AAAAAAAA4D8AAAAAAADgPwAAAAAAAOA/AAAAAAAA4D8CAAAAjAAAAAAAAAAAAAAA////AP///wgAAAAAAAAAAAAAAAAAAAAAAAAAAAAAAAAAAAAAeAAAAAEAAABAAAAAAAAAAAAAAABaAAAAAAAAAAAAAAAAAAAAAAAAAAAAAAAAAAAAAAAAAAAAAAAAAAAAAAAAAAAAAAAAAAAAAAAAAAAAAAAAAAAAAAAAAAAAAAAAAAAAFAAAADwAAAAAAAAAAAAAAAAAAAAPAAAAAQAAACMAAAAjAAAAIwAAAB4AAAAAAAAAZAAAAGQAAAAAAAAAZAAAAGQAAAAVAAAAYAAAAAAAAAAAAAAADwAAACADAAAAAAAAAAAAAAEAAACgMgAAVgcAAKr4//8BAAAAf39/AAEAAABkAAAAAAAAABQAAABAHwAAAAAAACYAAAAAAAAAwOD//wAAAAAmAAAAZAAAABYAAABMAAAAAAAAAAAAAAAEAAAAAAAAAAEAAADu7OEKAAAAACgAAAAoAAAAZAAAAGQAAAAAAAAAzMzMAAAAAABQAAAAUAAAAGQAAABkAAAAAAAAABcAAAAUAAAAAAAAAAAAAAD/fwAA/38AAAAAAAAJAAAABAAAAAAAAAAMAAAAEAAAAAAAAAAAAAAAAAAAAAAAAAAeAAAAaAAAAAAAAAAAAAAAAAAAAAAAAAAAAAAAECcAABAnAAAAAAAAAAAAAAAAAAAAAAAAAAAAAAAAAAAAAAAAAAAAABQAAAAAAAAAwMD/AAAAAABkAAAAMgAAAAAAAABkAAAAAAAAAH9/fwAKAAAAHwAAAFQAAAD///8AAAAAAQAAAAAAAAAAAAAAAAAAAAAAAAAAAAAAAAAAAAAAAAAAAAAAAH9/fwAAAAADzMzMAMDA/wB/f38AAAAAAAAAAAAAAAAAAAAAAAAAAAAhAAAAGAAAABQAAADIBQAAXTYAAMcoAACANwAAEAAAACYAAAAIAAAAAYAAAAAAAAA="/>
+                <pr:smNativeData xmlns:pr="smNativeData" xmlns:p14="http://schemas.microsoft.com/office/powerpoint/2010/main" xmlns="" val="SMDATA_13_eIVQYBMAAAAlAAAAZAAAAA0AAAAAAAAAAAAAAAAAAAAAAAAAAAAAAAAAAAAAAAAAAAEAAABQAAAAAAAAAAAA4D8AAAAAAADgPwAAAAAAAOA/AAAAAAAA4D8AAAAAAADgPwAAAAAAAOA/AAAAAAAA4D8AAAAAAADgPwAAAAAAAOA/AAAAAAAA4D8CAAAAjAAAAAAAAAAAAAAA////AP///wgAAAAAAAAAAAAAAAAAAAAAAAAAAAAAAAAAAAAAeAAAAAEAAABAAAAAAAAAAAAAAABaAAAAAAAAAAAAAAAAAAAAAAAAAAAAAAAAAAAAAAAAAAAAAAAAAAAAAAAAAAAAAAAAAAAAAAAAAAAAAAAAAAAAAAAAAAAAAAAAAAAAFAAAADwAAAAAAAAAAAAAAAAAAAAPAAAAAQAAACMAAAAjAAAAIwAAAB4AAAAAAAAAZAAAAGQAAAAAAAAAZAAAAGQAAAAVAAAAYAAAAAAAAAAAAAAADwAAACADAAAAAAAAAAAAAAEAAACgMgAAVgcAAKr4//8BAAAAf39/AAEAAABkAAAAAAAAABQAAABAHwAAAAAAACYAAAAAAAAAwOD//wAAAAAmAAAAZAAAABYAAABMAAAAAAAAAAAAAAAEAAAAAAAAAAEAAADu7OEKAAAAACgAAAAoAAAAZAAAAGQAAAAAAAAAzMzMAAAAAABQAAAAUAAAAGQAAABkAAAAAAAAABcAAAAUAAAAAAAAAAAAAAD/fwAA/38AAAAAAAAJAAAABAAAAAAAAAAMAAAAEAAAAAAAAAAAAAAAAAAAAAAAAAAeAAAAaAAAAAAAAAAAAAAAAAAAAAAAAAAAAAAAECcAABAnAAAAAAAAAAAAAAAAAAAAAAAAAAAAAAAAAAAAAAAAAAAAABQAAAAAAAAAwMD/AAAAAABkAAAAMgAAAAAAAABkAAAAAAAAAH9/fwAKAAAAHwAAAFQAAAD///8AAAAAAQAAAAAAAAAAAAAAAAAAAAAAAAAAAAAAAAAAAAAAAAAAAAAAAH9/fwAAAAADzMzMAMDA/wB/f38AAAAAAAAAAAAAAAAAAAAAAAAAAAAhAAAAGAAAABQAAADIBQAAXTYAAMcoAACANwAAEAAAACYAAAAIAAAAAYAAAAAAAAA="/>
               </a:ext>
             </a:extLst>
           </p:cNvSpPr>
@@ -2303,7 +2341,7 @@
 </file>
 
 <file path=ppt/slideLayouts/slideLayout4.xml><?xml version="1.0" encoding="utf-8"?>
-<p:sldLayout xmlns:p="http://schemas.openxmlformats.org/presentationml/2006/main" xmlns:p14="http://schemas.microsoft.com/office/powerpoint/2010/main" xmlns:r="http://schemas.openxmlformats.org/officeDocument/2006/relationships" xmlns:a="http://schemas.openxmlformats.org/drawingml/2006/main" type="blank" preserve="1">
+<p:sldLayout xmlns:a="http://schemas.openxmlformats.org/drawingml/2006/main" xmlns:r="http://schemas.openxmlformats.org/officeDocument/2006/relationships" xmlns:p="http://schemas.openxmlformats.org/presentationml/2006/main" type="blank" preserve="1">
   <p:cSld name="1_Großes Bild">
     <p:spTree>
       <p:nvGrpSpPr>
@@ -2326,7 +2364,7 @@
             <a:spLocks noGrp="1" noChangeArrowheads="1"/>
             <a:extLst>
               <a:ext uri="smNativeData">
-                <pr:smNativeData xmlns:pr="smNativeData" val="SMDATA_13_eIVQYBMAAAAlAAAAZAAAAA0AAAAAAAAAAAAAAAAAAAAAAAAAAAAAAAAAAAAAAAAAAAEAAABQAAAAAAAAAAAA4D8AAAAAAADgPwAAAAAAAOA/AAAAAAAA4D8AAAAAAADgPwAAAAAAAOA/AAAAAAAA4D8AAAAAAADgPwAAAAAAAOA/AAAAAAAA4D8CAAAAjAAAAAAAAAAAAAAA////AP///wgAAAAAAAAAAAAAAAAAAAAAAAAAAAAAAAAAAAAAeAAAAAEAAABAAAAAAAAAAAAAAABaAAAAAAAAAAAAAAAAAAAAAAAAAAAAAAAAAAAAAAAAAAAAAAAAAAAAAAAAAAAAAAAAAAAAAAAAAAAAAAAAAAAAAAAAAAAAAAAAAAAAFAAAADwAAAAAAAAAAAAAAAAAAAAPAAAAAQAAACMAAAAjAAAAIwAAAB4AAAAAAAAAZAAAAGQAAAAAAAAAZAAAAGQAAAAVAAAAYAAAAAAAAAAAAAAADwAAACADAAAAAAAAAAAAAAEAAACgMgAAVgcAAKr4//8BAAAAf39/AAEAAABkAAAAAAAAABQAAABAHwAAAAAAACYAAAAAAAAAwOD//wAAAAAmAAAAZAAAABYAAABMAAAAAAAAAAAAAAAEAAAAAAAAAAEAAADu7OEKAAAAACgAAAAoAAAAZAAAAGQAAAAAAAAAzMzMAAAAAABQAAAAUAAAAGQAAABkAAAAAAAAABcAAAAUAAAAAAAAAAAAAAD/fwAA/38AAAAAAAAJAAAABAAAAAAAAAAMAAAAEAAAAAAAAAAAAAAAAAAAAAAAAAAeAAAAaAAAAAAAAAAAAAAAAAAAAAAAAAAAAAAAECcAABAnAAAAAAAAAAAAAAAAAAAAAAAAAAAAAAAAAAAAAAAAAAAAABQAAAAAAAAAwMD/AAAAAABkAAAAMgAAAAAAAABkAAAAAAAAAH9/fwAKAAAAHwAAAFQAAAD///8AAAAAAQAAAAAAAAAAAAAAAAAAAAAAAAAAAAAAAAAAAAAAAAAAAAAAAH9/fwAAAAADzMzMAMDA/wB/f38AAAAAAAAAAAAAAAAAAAAAAAAAAAAhAAAAGAAAABQAAAAAAAAAcAgAAABQAAB4PAAAEAAAACYAAAAIAAAAAYAAAAAAAAA="/>
+                <pr:smNativeData xmlns:pr="smNativeData" xmlns:p14="http://schemas.microsoft.com/office/powerpoint/2010/main" xmlns="" val="SMDATA_13_eIVQYBMAAAAlAAAAZAAAAA0AAAAAAAAAAAAAAAAAAAAAAAAAAAAAAAAAAAAAAAAAAAEAAABQAAAAAAAAAAAA4D8AAAAAAADgPwAAAAAAAOA/AAAAAAAA4D8AAAAAAADgPwAAAAAAAOA/AAAAAAAA4D8AAAAAAADgPwAAAAAAAOA/AAAAAAAA4D8CAAAAjAAAAAAAAAAAAAAA////AP///wgAAAAAAAAAAAAAAAAAAAAAAAAAAAAAAAAAAAAAeAAAAAEAAABAAAAAAAAAAAAAAABaAAAAAAAAAAAAAAAAAAAAAAAAAAAAAAAAAAAAAAAAAAAAAAAAAAAAAAAAAAAAAAAAAAAAAAAAAAAAAAAAAAAAAAAAAAAAAAAAAAAAFAAAADwAAAAAAAAAAAAAAAAAAAAPAAAAAQAAACMAAAAjAAAAIwAAAB4AAAAAAAAAZAAAAGQAAAAAAAAAZAAAAGQAAAAVAAAAYAAAAAAAAAAAAAAADwAAACADAAAAAAAAAAAAAAEAAACgMgAAVgcAAKr4//8BAAAAf39/AAEAAABkAAAAAAAAABQAAABAHwAAAAAAACYAAAAAAAAAwOD//wAAAAAmAAAAZAAAABYAAABMAAAAAAAAAAAAAAAEAAAAAAAAAAEAAADu7OEKAAAAACgAAAAoAAAAZAAAAGQAAAAAAAAAzMzMAAAAAABQAAAAUAAAAGQAAABkAAAAAAAAABcAAAAUAAAAAAAAAAAAAAD/fwAA/38AAAAAAAAJAAAABAAAAAAAAAAMAAAAEAAAAAAAAAAAAAAAAAAAAAAAAAAeAAAAaAAAAAAAAAAAAAAAAAAAAAAAAAAAAAAAECcAABAnAAAAAAAAAAAAAAAAAAAAAAAAAAAAAAAAAAAAAAAAAAAAABQAAAAAAAAAwMD/AAAAAABkAAAAMgAAAAAAAABkAAAAAAAAAH9/fwAKAAAAHwAAAFQAAAD///8AAAAAAQAAAAAAAAAAAAAAAAAAAAAAAAAAAAAAAAAAAAAAAAAAAAAAAH9/fwAAAAADzMzMAMDA/wB/f38AAAAAAAAAAAAAAAAAAAAAAAAAAAAhAAAAGAAAABQAAAAAAAAAcAgAAABQAAB4PAAAEAAAACYAAAAIAAAAAYAAAAAAAAA="/>
               </a:ext>
             </a:extLst>
           </p:cNvSpPr>
@@ -2348,7 +2386,7 @@
                 <a:solidFill>
                   <a:srgbClr val="575756"/>
                 </a:solidFill>
-                <a:latin typeface="DINPro" pitchFamily="0" charset="0"/>
+                <a:latin typeface="DINPro" charset="0"/>
                 <a:ea typeface="Calibri" pitchFamily="2" charset="0"/>
                 <a:cs typeface="Calibri" pitchFamily="2" charset="0"/>
               </a:defRPr>
@@ -2382,6 +2420,7 @@
             <a:pPr>
               <a:defRPr lang="de-de"/>
             </a:pPr>
+            <a:endParaRPr/>
           </a:p>
         </p:txBody>
       </p:sp>
@@ -2391,7 +2430,7 @@
           <p:cNvSpPr>
             <a:extLst>
               <a:ext uri="smNativeData">
-                <pr:smNativeData xmlns:pr="smNativeData" val="SMDATA_13_eIVQYBMAAAAlAAAAZAAAAA0AAAAAkAAAAEgAAACQAAAASAAAAAAAAAABAAAAAAAAAAEAAABQAAAAAAAAAAAA4D8AAAAAAADgPwAAAAAAAOA/AAAAAAAA4D8AAAAAAADgPwAAAAAAAOA/AAAAAAAA4D8AAAAAAADgPwAAAAAAAOA/AAAAAAAA4D8CAAAAjAAAAAEAAAAAAAAA////CP///wgAAAAAAAAAAAAAAAAAAAAAAAAAAAAAAAAAAAAAeAAAAAEAAABAAAAAAAAAAAAAAABaAAAAAAAAAAAAAAAAAAAAAAAAAAAAAAAAAAAAAAAAAAAAAAAAAAAAAAAAAAAAAAAAAAAAAAAAAAAAAAAAAAAAAAAAAAAAAAAAAAAAFAAAADwAAAAAAAAAAAAAAAAAAAkUAAAAAQAAABQAAAAUAAAAFAAAAAEAAAAAAAAAZAAAAGQAAAAAAAAAZAAAAGQAAAAVAAAAYAAAAAAAAAAAAAAADwAAACADAAAAAAAAAAAAAAEAAACgMgAAVgcAAKr4//8BAAAAf39/AAEAAABkAAAAAAAAABQAAABAHwAAAAAAACYAAAAAAAAAwOD//wAAAAAmAAAAZAAAABYAAABMAAAAAAAAAAAAAAAEAAAAAAAAAAEAAADu7OEKAAAAACgAAAAoAAAAZAAAAGQAAAAAAAAAzMzMAAAAAABQAAAAUAAAAGQAAABkAAAAAAAAABcAAAAUAAAAAAAAAAAAAAD/fwAA/38AAAAAAAAJAAAABAAAAEEAQQAMAAAAEAAAAAAAAAAAAAAAAAAAAAAAAAAeAAAAaAAAAAAAAAAAAAAAAAAAAAAAAAAAAAAAECcAABAnAAAAAAAAAAAAAAAAAAAAAAAAAAAAAAAAAAAAAAAAAAAAABQAAAAAAAAAwMD/AAAAAABkAAAAMgAAAAAAAABkAAAAAAAAAH9/fwAKAAAAHwAAAFQAAAAAAAABAAAAAQAAAAAAAAAAAAAAAAAAAAAAAAAAAAAAAAAAAAAAAAAAAAAAAn9/fwAAAAADzMzMAMDA/wB/f38AAAAAAAAAAAAAAAAAAAAAAAAAAAAhAAAAGAAAABQAAAAAAAAAUDcAAABQAAAAPAAAEAAAACYAAAAIAAAA//////////8="/>
+                <pr:smNativeData xmlns:pr="smNativeData" xmlns:p14="http://schemas.microsoft.com/office/powerpoint/2010/main" xmlns="" val="SMDATA_13_eIVQYBMAAAAlAAAAZAAAAA0AAAAAkAAAAEgAAACQAAAASAAAAAAAAAABAAAAAAAAAAEAAABQAAAAAAAAAAAA4D8AAAAAAADgPwAAAAAAAOA/AAAAAAAA4D8AAAAAAADgPwAAAAAAAOA/AAAAAAAA4D8AAAAAAADgPwAAAAAAAOA/AAAAAAAA4D8CAAAAjAAAAAEAAAAAAAAA////CP///wgAAAAAAAAAAAAAAAAAAAAAAAAAAAAAAAAAAAAAeAAAAAEAAABAAAAAAAAAAAAAAABaAAAAAAAAAAAAAAAAAAAAAAAAAAAAAAAAAAAAAAAAAAAAAAAAAAAAAAAAAAAAAAAAAAAAAAAAAAAAAAAAAAAAAAAAAAAAAAAAAAAAFAAAADwAAAAAAAAAAAAAAAAAAAkUAAAAAQAAABQAAAAUAAAAFAAAAAEAAAAAAAAAZAAAAGQAAAAAAAAAZAAAAGQAAAAVAAAAYAAAAAAAAAAAAAAADwAAACADAAAAAAAAAAAAAAEAAACgMgAAVgcAAKr4//8BAAAAf39/AAEAAABkAAAAAAAAABQAAABAHwAAAAAAACYAAAAAAAAAwOD//wAAAAAmAAAAZAAAABYAAABMAAAAAAAAAAAAAAAEAAAAAAAAAAEAAADu7OEKAAAAACgAAAAoAAAAZAAAAGQAAAAAAAAAzMzMAAAAAABQAAAAUAAAAGQAAABkAAAAAAAAABcAAAAUAAAAAAAAAAAAAAD/fwAA/38AAAAAAAAJAAAABAAAAEEAQQAMAAAAEAAAAAAAAAAAAAAAAAAAAAAAAAAeAAAAaAAAAAAAAAAAAAAAAAAAAAAAAAAAAAAAECcAABAnAAAAAAAAAAAAAAAAAAAAAAAAAAAAAAAAAAAAAAAAAAAAABQAAAAAAAAAwMD/AAAAAABkAAAAMgAAAAAAAABkAAAAAAAAAH9/fwAKAAAAHwAAAFQAAAAAAAABAAAAAQAAAAAAAAAAAAAAAAAAAAAAAAAAAAAAAAAAAAAAAAAAAAAAAn9/fwAAAAADzMzMAMDA/wB/f38AAAAAAAAAAAAAAAAAAAAAAAAAAAAhAAAAGAAAABQAAAAAAAAAUDcAAABQAAAAPAAAEAAAACYAAAAIAAAA//////////8="/>
               </a:ext>
             </a:extLst>
           </p:cNvSpPr>
@@ -2424,6 +2463,7 @@
                 </a:solidFill>
               </a:defRPr>
             </a:pPr>
+            <a:endParaRPr/>
           </a:p>
         </p:txBody>
       </p:sp>
@@ -2436,7 +2476,7 @@
 </file>
 
 <file path=ppt/slideLayouts/slideLayout5.xml><?xml version="1.0" encoding="utf-8"?>
-<p:sldLayout xmlns:p="http://schemas.openxmlformats.org/presentationml/2006/main" xmlns:p14="http://schemas.microsoft.com/office/powerpoint/2010/main" xmlns:r="http://schemas.openxmlformats.org/officeDocument/2006/relationships" xmlns:a="http://schemas.openxmlformats.org/drawingml/2006/main" type="blank" preserve="1">
+<p:sldLayout xmlns:a="http://schemas.openxmlformats.org/drawingml/2006/main" xmlns:r="http://schemas.openxmlformats.org/officeDocument/2006/relationships" xmlns:p="http://schemas.openxmlformats.org/presentationml/2006/main" type="blank" preserve="1">
   <p:cSld name="Großes Bild">
     <p:spTree>
       <p:nvGrpSpPr>
@@ -2459,7 +2499,7 @@
             <a:spLocks noGrp="1" noChangeArrowheads="1"/>
             <a:extLst>
               <a:ext uri="smNativeData">
-                <pr:smNativeData xmlns:pr="smNativeData" val="SMDATA_13_eIVQYBMAAAAlAAAAZAAAAA0AAAAAAAAAAAAAAAAAAAAAAAAAAAAAAAAAAAAAAAAAAAEAAABQAAAAAAAAAAAA4D8AAAAAAADgPwAAAAAAAOA/AAAAAAAA4D8AAAAAAADgPwAAAAAAAOA/AAAAAAAA4D8AAAAAAADgPwAAAAAAAOA/AAAAAAAA4D8CAAAAjAAAAAAAAAAAAAAA////AP///wgAAAAAAAAAAAAAAAAAAAAAAAAAAAAAAAAAAAAAeAAAAAEAAABAAAAAAAAAAAAAAABaAAAAAAAAAAAAAAAAAAAAAAAAAAAAAAAAAAAAAAAAAAAAAAAAAAAAAAAAAAAAAAAAAAAAAAAAAAAAAAAAAAAAAAAAAAAAAAAAAAAAFAAAADwAAAAAAAAAAAAAAAAAAAAPAAAAAQAAACMAAAAjAAAAIwAAAB4AAAAAAAAAZAAAAGQAAAAAAAAAZAAAAGQAAAAVAAAAYAAAAAAAAAAAAAAADwAAACADAAAAAAAAAAAAAAEAAACgMgAAVgcAAKr4//8BAAAAf39/AAEAAABkAAAAAAAAABQAAABAHwAAAAAAACYAAAAAAAAAwOD//wAAAAAmAAAAZAAAABYAAABMAAAAAAAAAAAAAAAEAAAAAAAAAAEAAADu7OEKAAAAACgAAAAoAAAAZAAAAGQAAAAAAAAAzMzMAAAAAABQAAAAUAAAAGQAAABkAAAAAAAAABcAAAAUAAAAAAAAAAAAAAD/fwAA/38AAAAAAAAJAAAABAAAAEEAQQAMAAAAEAAAAAAAAAAAAAAAAAAAAAAAAAAeAAAAaAAAAAAAAAAAAAAAAAAAAAAAAAAAAAAAECcAABAnAAAAAAAAAAAAAAAAAAAAAAAAAAAAAAAAAAAAAAAAAAAAABQAAAAAAAAAwMD/AAAAAABkAAAAMgAAAAAAAABkAAAAAAAAAH9/fwAKAAAAHwAAAFQAAAD///8AAAAAAQAAAAAAAAAAAAAAAAAAAAAAAAAAAAAAAAAAAAAAAAAAAAAAAH9/fwAAAAADzMzMAMDA/wB/f38AAAAAAAAAAAAAAAAAAAAAAAAAAAAhAAAAGAAAABQAAAAAAAAAjQ4AAABQAACRNwAAEAAAACYAAAAIAAAAPRAAAAAAAAA="/>
+                <pr:smNativeData xmlns:pr="smNativeData" xmlns:p14="http://schemas.microsoft.com/office/powerpoint/2010/main" xmlns="" val="SMDATA_13_eIVQYBMAAAAlAAAAZAAAAA0AAAAAAAAAAAAAAAAAAAAAAAAAAAAAAAAAAAAAAAAAAAEAAABQAAAAAAAAAAAA4D8AAAAAAADgPwAAAAAAAOA/AAAAAAAA4D8AAAAAAADgPwAAAAAAAOA/AAAAAAAA4D8AAAAAAADgPwAAAAAAAOA/AAAAAAAA4D8CAAAAjAAAAAAAAAAAAAAA////AP///wgAAAAAAAAAAAAAAAAAAAAAAAAAAAAAAAAAAAAAeAAAAAEAAABAAAAAAAAAAAAAAABaAAAAAAAAAAAAAAAAAAAAAAAAAAAAAAAAAAAAAAAAAAAAAAAAAAAAAAAAAAAAAAAAAAAAAAAAAAAAAAAAAAAAAAAAAAAAAAAAAAAAFAAAADwAAAAAAAAAAAAAAAAAAAAPAAAAAQAAACMAAAAjAAAAIwAAAB4AAAAAAAAAZAAAAGQAAAAAAAAAZAAAAGQAAAAVAAAAYAAAAAAAAAAAAAAADwAAACADAAAAAAAAAAAAAAEAAACgMgAAVgcAAKr4//8BAAAAf39/AAEAAABkAAAAAAAAABQAAABAHwAAAAAAACYAAAAAAAAAwOD//wAAAAAmAAAAZAAAABYAAABMAAAAAAAAAAAAAAAEAAAAAAAAAAEAAADu7OEKAAAAACgAAAAoAAAAZAAAAGQAAAAAAAAAzMzMAAAAAABQAAAAUAAAAGQAAABkAAAAAAAAABcAAAAUAAAAAAAAAAAAAAD/fwAA/38AAAAAAAAJAAAABAAAAEEAQQAMAAAAEAAAAAAAAAAAAAAAAAAAAAAAAAAeAAAAaAAAAAAAAAAAAAAAAAAAAAAAAAAAAAAAECcAABAnAAAAAAAAAAAAAAAAAAAAAAAAAAAAAAAAAAAAAAAAAAAAABQAAAAAAAAAwMD/AAAAAABkAAAAMgAAAAAAAABkAAAAAAAAAH9/fwAKAAAAHwAAAFQAAAD///8AAAAAAQAAAAAAAAAAAAAAAAAAAAAAAAAAAAAAAAAAAAAAAAAAAAAAAH9/fwAAAAADzMzMAMDA/wB/f38AAAAAAAAAAAAAAAAAAAAAAAAAAAAhAAAAGAAAABQAAAAAAAAAjQ4AAABQAACRNwAAEAAAACYAAAAIAAAAPRAAAAAAAAA="/>
               </a:ext>
             </a:extLst>
           </p:cNvSpPr>
@@ -2484,6 +2524,7 @@
             <a:pPr>
               <a:defRPr lang="de-de"/>
             </a:pPr>
+            <a:endParaRPr/>
           </a:p>
         </p:txBody>
       </p:sp>
@@ -2493,7 +2534,7 @@
           <p:cNvSpPr>
             <a:extLst>
               <a:ext uri="smNativeData">
-                <pr:smNativeData xmlns:pr="smNativeData" val="SMDATA_13_eIVQYBMAAAAlAAAACwAAAA0AAAAAAAAAAAAAAAAAAAAAAAAAAAAAAAAAAAAAAAAAAAEAAABQAAAAAAAAAAAA4D8AAAAAAADgPwAAAAAAAOA/AAAAAAAA4D8AAAAAAADgPwAAAAAAAOA/AAAAAAAA4D8AAAAAAADgPwAAAAAAAOA/AAAAAAAA4D8CAAAAjAAAAAEAAAADAAAAECU/AA+W1AAAAAAAAAAAAAAAAAAAAAAAAAAAAAAAAAAAAAAAeAAAAAEAAABAAAAAZAAAAAAAAABoAQAAAAAAAAAAAAAAAAAAAAAAAAAAAAAAAAAAAAAAAAAAAAAAAAAAAAAAAAAAAAAAAAAAAAAAAAAAAAAAAAAAAAAAAAAAAAAAAAAAFAAAADwAAAAAAAAAAAAAAAAAAAkUAAAAAQAAABQAAAAUAAAAFAAAAAEAAAAAAAAAZAAAAGQAAAAAAAAAZAAAAGQAAAAVAAAAYAAAAAAAAAAAAAAADwAAACADAAAAAAAAAAAAAAEAAACgMgAAVgcAAKr4//8BAAAAf39/AAEAAABkAAAAAAAAABQAAABAHwAAAAAAACYAAAAAAAAAwOD//wAAAAAmAAAAZAAAABYAAABMAAAAAAAAAAAAAAAEAAAAAAAAAAEAAADu7OEKAAAAACgAAAAoAAAAZAAAAGQAAAAAAAAAzMzMAAAAAABQAAAAUAAAAGQAAABkAAAAAAAAABcAAAAUAAAAAAAAAAAAAAD/fwAA/38AAAAAAAAJAAAABAAAAJB/EgMMAAAAEAAAAAAAAAAAAAAAAAAAAAAAAAAeAAAAaAAAAAEAAAAAAAAAAAAAAAAAAAAAAAAAECcAABAnAAAAAAAAAAAAAAAAAAAAAAAAAAAAAAAAAAAAAAAAAAAAABQAAAAAAAAAwMD/AAAAAAAAAAAAAAAAAAAAAABkAAAAAAAAAH9/fwAKAAAAHwAAAFQAAAAQJT8AD5bUAAAAAAAAAAAAAAAAAAAAAAAAAAAAAAAAAAAAAAAAAAAAAAAAAn9/fwAAAAADzMzMAMDA/wB/f38AAAAAAAAAAAAAAAAAAAAAAAAAAAAhAAAAGAAAABQAAAAAAAAAoggAAABQAACUDgAAEAAAACYAAAAIAAAA//////////8="/>
+                <pr:smNativeData xmlns:pr="smNativeData" xmlns:p14="http://schemas.microsoft.com/office/powerpoint/2010/main" xmlns="" val="SMDATA_13_eIVQYBMAAAAlAAAACwAAAA0AAAAAAAAAAAAAAAAAAAAAAAAAAAAAAAAAAAAAAAAAAAEAAABQAAAAAAAAAAAA4D8AAAAAAADgPwAAAAAAAOA/AAAAAAAA4D8AAAAAAADgPwAAAAAAAOA/AAAAAAAA4D8AAAAAAADgPwAAAAAAAOA/AAAAAAAA4D8CAAAAjAAAAAEAAAADAAAAECU/AA+W1AAAAAAAAAAAAAAAAAAAAAAAAAAAAAAAAAAAAAAAeAAAAAEAAABAAAAAZAAAAAAAAABoAQAAAAAAAAAAAAAAAAAAAAAAAAAAAAAAAAAAAAAAAAAAAAAAAAAAAAAAAAAAAAAAAAAAAAAAAAAAAAAAAAAAAAAAAAAAAAAAAAAAFAAAADwAAAAAAAAAAAAAAAAAAAkUAAAAAQAAABQAAAAUAAAAFAAAAAEAAAAAAAAAZAAAAGQAAAAAAAAAZAAAAGQAAAAVAAAAYAAAAAAAAAAAAAAADwAAACADAAAAAAAAAAAAAAEAAACgMgAAVgcAAKr4//8BAAAAf39/AAEAAABkAAAAAAAAABQAAABAHwAAAAAAACYAAAAAAAAAwOD//wAAAAAmAAAAZAAAABYAAABMAAAAAAAAAAAAAAAEAAAAAAAAAAEAAADu7OEKAAAAACgAAAAoAAAAZAAAAGQAAAAAAAAAzMzMAAAAAABQAAAAUAAAAGQAAABkAAAAAAAAABcAAAAUAAAAAAAAAAAAAAD/fwAA/38AAAAAAAAJAAAABAAAAJB/EgMMAAAAEAAAAAAAAAAAAAAAAAAAAAAAAAAeAAAAaAAAAAEAAAAAAAAAAAAAAAAAAAAAAAAAECcAABAnAAAAAAAAAAAAAAAAAAAAAAAAAAAAAAAAAAAAAAAAAAAAABQAAAAAAAAAwMD/AAAAAAAAAAAAAAAAAAAAAABkAAAAAAAAAH9/fwAKAAAAHwAAAFQAAAAQJT8AD5bUAAAAAAAAAAAAAAAAAAAAAAAAAAAAAAAAAAAAAAAAAAAAAAAAAn9/fwAAAAADzMzMAMDA/wB/f38AAAAAAAAAAAAAAAAAAAAAAAAAAAAhAAAAGAAAABQAAAAAAAAAoggAAABQAACUDgAAEAAAACYAAAAIAAAA//////////8="/>
               </a:ext>
             </a:extLst>
           </p:cNvSpPr>
@@ -2555,6 +2596,7 @@
             <a:pPr>
               <a:defRPr lang="de-de"/>
             </a:pPr>
+            <a:endParaRPr/>
           </a:p>
         </p:txBody>
       </p:sp>
@@ -2565,7 +2607,7 @@
             <a:spLocks noGrp="1" noChangeArrowheads="1"/>
             <a:extLst>
               <a:ext uri="smNativeData">
-                <pr:smNativeData xmlns:pr="smNativeData" val="SMDATA_13_eIVQYBMAAAAlAAAAZAAAAA0AAAAAAAAAAAAAAAAAAAAAAAAAAAAAAAAAAAAAAAAAAAEAAABQAAAAAAAAAAAA4D8AAAAAAADgPwAAAAAAAOA/AAAAAAAA4D8AAAAAAADgPwAAAAAAAOA/AAAAAAAA4D8AAAAAAADgPwAAAAAAAOA/AAAAAAAA4D8CAAAAjAAAAAAAAAAAAAAA////AP///wgAAAAAAAAAAAAAAAAAAAAAAAAAAAAAAAAAAAAAeAAAAAEAAABAAAAAAAAAAAAAAABaAAAAAAAAAAAAAAAAAAAAAAAAAAAAAAAAAAAAAAAAAAAAAAAAAAAAAAAAAAAAAAAAAAAAAAAAAAAAAAAAAAAAAAAAAAAAAAAAAAAAFAAAADwAAAAAAAAAAAAAAAAAAAAPAAAAAQAAACMAAAAjAAAAIwAAAB4AAAAAAAAAZAAAAGQAAAAAAAAAZAAAAGQAAAAVAAAAYAAAAAAAAAAAAAAADwAAACADAAAAAAAAAAAAAAEAAACgMgAAVgcAAKr4//8BAAAAf39/AAEAAABkAAAAAAAAABQAAABAHwAAAAAAACYAAAAAAAAAwOD//wAAAAAmAAAAZAAAABYAAABMAAAAAAAAAAAAAAAEAAAAAAAAAAEAAADu7OEKAAAAACgAAAAoAAAAZAAAAGQAAAAAAAAAzMzMAAAAAABQAAAAUAAAAGQAAABkAAAAAAAAABcAAAAUAAAAAAAAAAAAAAD/fwAA/38AAAAAAAAJAAAABAAAAAAAAAAMAAAAEAAAAAAAAAAAAAAAAAAAAAAAAAAeAAAAaAAAAAAAAAAAAAAAAAAAAAAAAAAAAAAAECcAABAnAAAAAAAAAAAAAAAAAAAAAAAAAAAAAAAAAAAAAAAAAAAAABQAAAAAAAAAwMD/AAAAAABkAAAAMgAAAAAAAABkAAAAAAAAAH9/fwAKAAAAHwAAAFQAAAD///8AAAAAAQAAAAAAAAAAAAAAAAAAAAAAAAAAAAAAAAAAAAAAAAAAAAAAAH9/fwAAAAADzMzMAMDA/wB/f38AAAAAAAAAAAAAAAAAAAAAAAAAAAAhAAAAGAAAABQAAADIBQAAdAkAAHpIAACsDAAAEAAAACYAAAAIAAAAPZAAAAAAAAA="/>
+                <pr:smNativeData xmlns:pr="smNativeData" xmlns:p14="http://schemas.microsoft.com/office/powerpoint/2010/main" xmlns="" val="SMDATA_13_eIVQYBMAAAAlAAAAZAAAAA0AAAAAAAAAAAAAAAAAAAAAAAAAAAAAAAAAAAAAAAAAAAEAAABQAAAAAAAAAAAA4D8AAAAAAADgPwAAAAAAAOA/AAAAAAAA4D8AAAAAAADgPwAAAAAAAOA/AAAAAAAA4D8AAAAAAADgPwAAAAAAAOA/AAAAAAAA4D8CAAAAjAAAAAAAAAAAAAAA////AP///wgAAAAAAAAAAAAAAAAAAAAAAAAAAAAAAAAAAAAAeAAAAAEAAABAAAAAAAAAAAAAAABaAAAAAAAAAAAAAAAAAAAAAAAAAAAAAAAAAAAAAAAAAAAAAAAAAAAAAAAAAAAAAAAAAAAAAAAAAAAAAAAAAAAAAAAAAAAAAAAAAAAAFAAAADwAAAAAAAAAAAAAAAAAAAAPAAAAAQAAACMAAAAjAAAAIwAAAB4AAAAAAAAAZAAAAGQAAAAAAAAAZAAAAGQAAAAVAAAAYAAAAAAAAAAAAAAADwAAACADAAAAAAAAAAAAAAEAAACgMgAAVgcAAKr4//8BAAAAf39/AAEAAABkAAAAAAAAABQAAABAHwAAAAAAACYAAAAAAAAAwOD//wAAAAAmAAAAZAAAABYAAABMAAAAAAAAAAAAAAAEAAAAAAAAAAEAAADu7OEKAAAAACgAAAAoAAAAZAAAAGQAAAAAAAAAzMzMAAAAAABQAAAAUAAAAGQAAABkAAAAAAAAABcAAAAUAAAAAAAAAAAAAAD/fwAA/38AAAAAAAAJAAAABAAAAAAAAAAMAAAAEAAAAAAAAAAAAAAAAAAAAAAAAAAeAAAAaAAAAAAAAAAAAAAAAAAAAAAAAAAAAAAAECcAABAnAAAAAAAAAAAAAAAAAAAAAAAAAAAAAAAAAAAAAAAAAAAAABQAAAAAAAAAwMD/AAAAAABkAAAAMgAAAAAAAABkAAAAAAAAAH9/fwAKAAAAHwAAAFQAAAD///8AAAAAAQAAAAAAAAAAAAAAAAAAAAAAAAAAAAAAAAAAAAAAAAAAAAAAAH9/fwAAAAADzMzMAMDA/wB/f38AAAAAAAAAAAAAAAAAAAAAAAAAAAAhAAAAGAAAABQAAADIBQAAdAkAAHpIAACsDAAAEAAAACYAAAAIAAAAPZAAAAAAAAA="/>
               </a:ext>
             </a:extLst>
           </p:cNvSpPr>
@@ -2625,6 +2667,7 @@
             <a:pPr>
               <a:defRPr lang="de-de" cap="small"/>
             </a:pPr>
+            <a:endParaRPr/>
           </a:p>
         </p:txBody>
       </p:sp>
@@ -2635,7 +2678,7 @@
             <a:spLocks noGrp="1" noChangeArrowheads="1"/>
             <a:extLst>
               <a:ext uri="smNativeData">
-                <pr:smNativeData xmlns:pr="smNativeData" val="SMDATA_13_eIVQYBMAAAAlAAAAZAAAAA0AAAAAAAAAAAAAAAAAAAAAAAAAAAAAAAAAAAAAAAAAAAEAAABQAAAAAAAAAAAA4D8AAAAAAADgPwAAAAAAAOA/AAAAAAAA4D8AAAAAAADgPwAAAAAAAOA/AAAAAAAA4D8AAAAAAADgPwAAAAAAAOA/AAAAAAAA4D8CAAAAjAAAAAAAAAAAAAAA////AP///wgAAAAAAAAAAAAAAAAAAAAAAAAAAAAAAAAAAAAAeAAAAAEAAABAAAAAAAAAAAAAAABaAAAAAAAAAAAAAAAAAAAAAAAAAAAAAAAAAAAAAAAAAAAAAAAAAAAAAAAAAAAAAAAAAAAAAAAAAAAAAAAAAAAAAAAAAAAAAAAAAAAAFAAAADwAAAAAAAAAAAAAAAAAAAAPAAAAAQAAACMAAAAjAAAAIwAAAB4AAAAAAAAAZAAAAGQAAAAAAAAAZAAAAGQAAAAVAAAAYAAAAAAAAAAAAAAADwAAACADAAAAAAAAAAAAAAEAAACgMgAAVgcAAKr4//8BAAAAf39/AAEAAABkAAAAAAAAABQAAABAHwAAAAAAACYAAAAAAAAAwOD//wAAAAAmAAAAZAAAABYAAABMAAAAAAAAAAAAAAAEAAAAAAAAAAEAAADu7OEKAAAAACgAAAAoAAAAZAAAAGQAAAAAAAAAzMzMAAAAAABQAAAAUAAAAGQAAABkAAAAAAAAABcAAAAUAAAAAAAAAAAAAAD/fwAA/38AAAAAAAAJAAAABAAAAAAAAAAMAAAAEAAAAAAAAAAAAAAAAAAAAAAAAAAeAAAAaAAAAAAAAAAAAAAAAAAAAAAAAAAAAAAAECcAABAnAAAAAAAAAAAAAAAAAAAAAAAAAAAAAAAAAAAAAAAAAAAAABQAAAAAAAAAwMD/AAAAAABkAAAAMgAAAAAAAABkAAAAAAAAAH9/fwAKAAAAHwAAAFQAAAD///8AAAAAAQAAAAAAAAAAAAAAAAAAAAAAAAAAAAAAAAAAAAAAAAAAAAAAAH9/fwAAAAADzMzMAMDA/wB/f38AAAAAAAAAAAAAAAAAAAAAAAAAAAAhAAAAGAAAABQAAADqAQAA4DgAAPAKAACYOgAAEAAAACYAAAAIAAAAPJAAAAAAAAA="/>
+                <pr:smNativeData xmlns:pr="smNativeData" xmlns:p14="http://schemas.microsoft.com/office/powerpoint/2010/main" xmlns="" val="SMDATA_13_eIVQYBMAAAAlAAAAZAAAAA0AAAAAAAAAAAAAAAAAAAAAAAAAAAAAAAAAAAAAAAAAAAEAAABQAAAAAAAAAAAA4D8AAAAAAADgPwAAAAAAAOA/AAAAAAAA4D8AAAAAAADgPwAAAAAAAOA/AAAAAAAA4D8AAAAAAADgPwAAAAAAAOA/AAAAAAAA4D8CAAAAjAAAAAAAAAAAAAAA////AP///wgAAAAAAAAAAAAAAAAAAAAAAAAAAAAAAAAAAAAAeAAAAAEAAABAAAAAAAAAAAAAAABaAAAAAAAAAAAAAAAAAAAAAAAAAAAAAAAAAAAAAAAAAAAAAAAAAAAAAAAAAAAAAAAAAAAAAAAAAAAAAAAAAAAAAAAAAAAAAAAAAAAAFAAAADwAAAAAAAAAAAAAAAAAAAAPAAAAAQAAACMAAAAjAAAAIwAAAB4AAAAAAAAAZAAAAGQAAAAAAAAAZAAAAGQAAAAVAAAAYAAAAAAAAAAAAAAADwAAACADAAAAAAAAAAAAAAEAAACgMgAAVgcAAKr4//8BAAAAf39/AAEAAABkAAAAAAAAABQAAABAHwAAAAAAACYAAAAAAAAAwOD//wAAAAAmAAAAZAAAABYAAABMAAAAAAAAAAAAAAAEAAAAAAAAAAEAAADu7OEKAAAAACgAAAAoAAAAZAAAAGQAAAAAAAAAzMzMAAAAAABQAAAAUAAAAGQAAABkAAAAAAAAABcAAAAUAAAAAAAAAAAAAAD/fwAA/38AAAAAAAAJAAAABAAAAAAAAAAMAAAAEAAAAAAAAAAAAAAAAAAAAAAAAAAeAAAAaAAAAAAAAAAAAAAAAAAAAAAAAAAAAAAAECcAABAnAAAAAAAAAAAAAAAAAAAAAAAAAAAAAAAAAAAAAAAAAAAAABQAAAAAAAAAwMD/AAAAAABkAAAAMgAAAAAAAABkAAAAAAAAAH9/fwAKAAAAHwAAAFQAAAD///8AAAAAAQAAAAAAAAAAAAAAAAAAAAAAAAAAAAAAAAAAAAAAAAAAAAAAAH9/fwAAAAADzMzMAMDA/wB/f38AAAAAAAAAAAAAAAAAAAAAAAAAAAAhAAAAGAAAABQAAADqAQAA4DgAAPAKAACYOgAAEAAAACYAAAAIAAAAPJAAAAAAAAA="/>
               </a:ext>
             </a:extLst>
           </p:cNvSpPr>
@@ -2691,7 +2734,6 @@
               <a:rPr lang="en-us"/>
               <a:t>25.03.2021</a:t>
             </a:r>
-            <a:endParaRPr lang="en-us"/>
           </a:p>
         </p:txBody>
       </p:sp>
@@ -2702,7 +2744,7 @@
             <a:spLocks noGrp="1" noChangeArrowheads="1"/>
             <a:extLst>
               <a:ext uri="smNativeData">
-                <pr:smNativeData xmlns:pr="smNativeData" val="SMDATA_13_eIVQYBMAAAAlAAAAEgAAAA0AAAAAAAAAAAAAAAAAAAAAAAAAAAAAAAAAAAAAAAAAAAEAAABQAAAAAAAAAAAA4D8AAAAAAADgPwAAAAAAAOA/AAAAAAAA4D8AAAAAAADgPwAAAAAAAOA/AAAAAAAA4D8AAAAAAADgPwAAAAAAAOA/AAAAAAAA4D8CAAAAjAAAAAAAAAAAAAAA////AP///wgAAAAAAAAAAAAAAAAAAAAAAAAAAAAAAAAAAAAAeAAAAAEAAABAAAAAAAAAAAAAAABaAAAAAAAAAAAAAAAAAAAAAAAAAAAAAAAAAAAAAAAAAAAAAAAAAAAAAAAAAAAAAAAAAAAAAAAAAAAAAAAAAAAAAAAAAAAAAAAAAAAAFAAAADwAAAAAAAAAAAAAAAAAAAAPAAAAAQAAACMAAAAjAAAAIwAAAB4AAAAAAAAAZAAAAGQAAAAAAAAAZAAAAGQAAAAVAAAAYAAAAAAAAAAAAAAADwAAACADAAAAAAAAAAAAAAEAAACgMgAAVgcAAKr4//8BAAAAf39/AAEAAABkAAAAAAAAABQAAABAHwAAAAAAACYAAAAAAAAAwOD//wAAAAAmAAAAZAAAABYAAABMAAAAAAAAAAAAAAAEAAAAAAAAAAEAAADu7OEKAAAAACgAAAAoAAAAZAAAAGQAAAAAAAAAzMzMAAAAAABQAAAAUAAAAGQAAABkAAAAAAAAABcAAAAUAAAAAAAAAAAAAAD/fwAA/38AAAAAAAAJAAAABAAAADgAQwAMAAAAEAAAAAAAAAAAAAAAAAAAAAAAAAAeAAAAaAAAAAAAAAAAAAAAAAAAAAAAAAAAAAAAECcAABAnAAAAAAAAAAAAAAAAAAAAAAAAAAAAAAAAAAAAAAAAAAAAABQAAAAAAAAAwMD/AAAAAABkAAAAMgAAAAAAAABkAAAAAAAAAH9/fwAKAAAAHwAAAFQAAAD///8AAAAAAQAAAAAAAAAAAAAAAAAAAAAAAAAAAAAAAAAAAAAAAAAAAAAAAH9/fwAAAAADzMzMAMDA/wB/f38AAAAAAAAAAAAAAAAAAAAAAAAAAAAhAAAAGAAAABQAAAAAAAAAAAAAAAAAAAAAAAAAEAAAACYAAAAIAAAAPJEAAAAAAAA="/>
+                <pr:smNativeData xmlns:pr="smNativeData" xmlns:p14="http://schemas.microsoft.com/office/powerpoint/2010/main" xmlns="" val="SMDATA_13_eIVQYBMAAAAlAAAAEgAAAA0AAAAAAAAAAAAAAAAAAAAAAAAAAAAAAAAAAAAAAAAAAAEAAABQAAAAAAAAAAAA4D8AAAAAAADgPwAAAAAAAOA/AAAAAAAA4D8AAAAAAADgPwAAAAAAAOA/AAAAAAAA4D8AAAAAAADgPwAAAAAAAOA/AAAAAAAA4D8CAAAAjAAAAAAAAAAAAAAA////AP///wgAAAAAAAAAAAAAAAAAAAAAAAAAAAAAAAAAAAAAeAAAAAEAAABAAAAAAAAAAAAAAABaAAAAAAAAAAAAAAAAAAAAAAAAAAAAAAAAAAAAAAAAAAAAAAAAAAAAAAAAAAAAAAAAAAAAAAAAAAAAAAAAAAAAAAAAAAAAAAAAAAAAFAAAADwAAAAAAAAAAAAAAAAAAAAPAAAAAQAAACMAAAAjAAAAIwAAAB4AAAAAAAAAZAAAAGQAAAAAAAAAZAAAAGQAAAAVAAAAYAAAAAAAAAAAAAAADwAAACADAAAAAAAAAAAAAAEAAACgMgAAVgcAAKr4//8BAAAAf39/AAEAAABkAAAAAAAAABQAAABAHwAAAAAAACYAAAAAAAAAwOD//wAAAAAmAAAAZAAAABYAAABMAAAAAAAAAAAAAAAEAAAAAAAAAAEAAADu7OEKAAAAACgAAAAoAAAAZAAAAGQAAAAAAAAAzMzMAAAAAABQAAAAUAAAAGQAAABkAAAAAAAAABcAAAAUAAAAAAAAAAAAAAD/fwAA/38AAAAAAAAJAAAABAAAADgAQwAMAAAAEAAAAAAAAAAAAAAAAAAAAAAAAAAeAAAAaAAAAAAAAAAAAAAAAAAAAAAAAAAAAAAAECcAABAnAAAAAAAAAAAAAAAAAAAAAAAAAAAAAAAAAAAAAAAAAAAAABQAAAAAAAAAwMD/AAAAAABkAAAAMgAAAAAAAABkAAAAAAAAAH9/fwAKAAAAHwAAAFQAAAD///8AAAAAAQAAAAAAAAAAAAAAAAAAAAAAAAAAAAAAAAAAAAAAAAAAAAAAAH9/fwAAAAADzMzMAMDA/wB/f38AAAAAAAAAAAAAAAAAAAAAAAAAAAAhAAAAGAAAABQAAAAAAAAAAAAAAAAAAAAAAAAAEAAAACYAAAAIAAAAPJEAAAAAAAA="/>
               </a:ext>
             </a:extLst>
           </p:cNvSpPr>
@@ -2762,7 +2804,6 @@
               <a:rPr lang="en-gb"/>
               <a:t>The Protection of Bystanders’ Privacy - Seminar on Privacy in Ubiquitous Computing</a:t>
             </a:r>
-            <a:endParaRPr lang="en-gb"/>
           </a:p>
         </p:txBody>
       </p:sp>
@@ -2773,7 +2814,7 @@
             <a:spLocks noGrp="1" noChangeArrowheads="1"/>
             <a:extLst>
               <a:ext uri="smNativeData">
-                <pr:smNativeData xmlns:pr="smNativeData" val="SMDATA_13_eIVQYBMAAAAlAAAAZAAAAA0AAAAAAAAAAAAAAAAAAAAAAAAAAAAAAAAAAAAAAAAAAAEAAABQAAAAAAAAAAAA4D8AAAAAAADgPwAAAAAAAOA/AAAAAAAA4D8AAAAAAADgPwAAAAAAAOA/AAAAAAAA4D8AAAAAAADgPwAAAAAAAOA/AAAAAAAA4D8CAAAAjAAAAAAAAAAAAAAA////AP///wgAAAAAAAAAAAAAAAAAAAAAAAAAAAAAAAAAAAAAeAAAAAEAAABAAAAAAAAAAAAAAABaAAAAAAAAAAAAAAAAAAAAAAAAAAAAAAAAAAAAAAAAAAAAAAAAAAAAAAAAAAAAAAAAAAAAAAAAAAAAAAAAAAAAAAAAAAAAAAAAAAAAFAAAADwAAAAAAAAAAAAAAAAAAAAPAAAAAQAAACMAAAAjAAAAIwAAAB4AAAAAAAAAZAAAAGQAAAAAAAAAZAAAAGQAAAAVAAAAYAAAAAAAAAAAAAAADwAAACADAAAAAAAAAAAAAAEAAACgMgAAVgcAAKr4//8BAAAAf39/AAEAAABkAAAAAAAAABQAAABAHwAAAAAAACYAAAAAAAAAwOD//wAAAAAmAAAAZAAAABYAAABMAAAAAAAAAAAAAAAEAAAAAAAAAAEAAADu7OEKAAAAACgAAAAoAAAAZAAAAGQAAAAAAAAAzMzMAAAAAABQAAAAUAAAAGQAAABkAAAAAAAAABcAAAAUAAAAAAAAAAAAAAD/fwAA/38AAAAAAAAJAAAABAAAAAAAAAAMAAAAEAAAAAAAAAAAAAAAAAAAAAAAAAAeAAAAaAAAAAAAAAAAAAAAAAAAAAAAAAAAAAAAECcAABAnAAAAAAAAAAAAAAAAAAAAAAAAAAAAAAAAAAAAAAAAAAAAABQAAAAAAAAAwMD/AAAAAABkAAAAMgAAAAAAAABkAAAAAAAAAH9/fwAKAAAAHwAAAFQAAAD///8AAAAAAQAAAAAAAAAAAAAAAAAAAAAAAAAAAAAAAAAAAAAAAAAAAAAAAH9/fwAAAAADzMzMAMDA/wB/f38AAAAAAAAAAAAAAAAAAAAAAAAAAAAhAAAAGAAAABQAAADQSAAAGDkAABZOAACYOgAAEAAAACYAAAAIAAAAPJAAAAAAAAA="/>
+                <pr:smNativeData xmlns:pr="smNativeData" xmlns:p14="http://schemas.microsoft.com/office/powerpoint/2010/main" xmlns="" val="SMDATA_13_eIVQYBMAAAAlAAAAZAAAAA0AAAAAAAAAAAAAAAAAAAAAAAAAAAAAAAAAAAAAAAAAAAEAAABQAAAAAAAAAAAA4D8AAAAAAADgPwAAAAAAAOA/AAAAAAAA4D8AAAAAAADgPwAAAAAAAOA/AAAAAAAA4D8AAAAAAADgPwAAAAAAAOA/AAAAAAAA4D8CAAAAjAAAAAAAAAAAAAAA////AP///wgAAAAAAAAAAAAAAAAAAAAAAAAAAAAAAAAAAAAAeAAAAAEAAABAAAAAAAAAAAAAAABaAAAAAAAAAAAAAAAAAAAAAAAAAAAAAAAAAAAAAAAAAAAAAAAAAAAAAAAAAAAAAAAAAAAAAAAAAAAAAAAAAAAAAAAAAAAAAAAAAAAAFAAAADwAAAAAAAAAAAAAAAAAAAAPAAAAAQAAACMAAAAjAAAAIwAAAB4AAAAAAAAAZAAAAGQAAAAAAAAAZAAAAGQAAAAVAAAAYAAAAAAAAAAAAAAADwAAACADAAAAAAAAAAAAAAEAAACgMgAAVgcAAKr4//8BAAAAf39/AAEAAABkAAAAAAAAABQAAABAHwAAAAAAACYAAAAAAAAAwOD//wAAAAAmAAAAZAAAABYAAABMAAAAAAAAAAAAAAAEAAAAAAAAAAEAAADu7OEKAAAAACgAAAAoAAAAZAAAAGQAAAAAAAAAzMzMAAAAAABQAAAAUAAAAGQAAABkAAAAAAAAABcAAAAUAAAAAAAAAAAAAAD/fwAA/38AAAAAAAAJAAAABAAAAAAAAAAMAAAAEAAAAAAAAAAAAAAAAAAAAAAAAAAeAAAAaAAAAAAAAAAAAAAAAAAAAAAAAAAAAAAAECcAABAnAAAAAAAAAAAAAAAAAAAAAAAAAAAAAAAAAAAAAAAAAAAAABQAAAAAAAAAwMD/AAAAAABkAAAAMgAAAAAAAABkAAAAAAAAAH9/fwAKAAAAHwAAAFQAAAD///8AAAAAAQAAAAAAAAAAAAAAAAAAAAAAAAAAAAAAAAAAAAAAAAAAAAAAAH9/fwAAAAADzMzMAMDA/wB/f38AAAAAAAAAAAAAAAAAAAAAAAAAAAAhAAAAGAAAABQAAADQSAAAGDkAABZOAACYOgAAEAAAACYAAAAIAAAAPJAAAAAAAAA="/>
               </a:ext>
             </a:extLst>
           </p:cNvSpPr>
@@ -2828,6 +2869,7 @@
             <a:fld id="{0A2592B0-FEE7-7064-A99D-0831DCD35F5D}" type="slidenum">
               <a:t>‹#›</a:t>
             </a:fld>
+            <a:endParaRPr/>
           </a:p>
         </p:txBody>
       </p:sp>
@@ -2840,7 +2882,7 @@
 </file>
 
 <file path=ppt/slideLayouts/slideLayout6.xml><?xml version="1.0" encoding="utf-8"?>
-<p:sldLayout xmlns:p="http://schemas.openxmlformats.org/presentationml/2006/main" xmlns:p14="http://schemas.microsoft.com/office/powerpoint/2010/main" xmlns:r="http://schemas.openxmlformats.org/officeDocument/2006/relationships" xmlns:a="http://schemas.openxmlformats.org/drawingml/2006/main" type="blank" preserve="1">
+<p:sldLayout xmlns:a="http://schemas.openxmlformats.org/drawingml/2006/main" xmlns:r="http://schemas.openxmlformats.org/officeDocument/2006/relationships" xmlns:p="http://schemas.openxmlformats.org/presentationml/2006/main" type="blank" preserve="1">
   <p:cSld name="Text &amp; Bild">
     <p:spTree>
       <p:nvGrpSpPr>
@@ -2862,7 +2904,7 @@
           <p:cNvSpPr>
             <a:extLst>
               <a:ext uri="smNativeData">
-                <pr:smNativeData xmlns:pr="smNativeData" val="SMDATA_13_eIVQYBMAAAAlAAAACwAAAA0AAAAAAAAAAAAAAAAAAAAAAAAAAAAAAAAAAAAAAAAAAAEAAABQAAAAAAAAAAAA4D8AAAAAAADgPwAAAAAAAOA/AAAAAAAA4D8AAAAAAADgPwAAAAAAAOA/AAAAAAAA4D8AAAAAAADgPwAAAAAAAOA/AAAAAAAA4D8CAAAAjAAAAAEAAAADAAAAECU/AA+W1AAAAAAAAAAAAAAAAAAAAAAAAAAAAAAAAAAAAAAAeAAAAAEAAABAAAAAZAAAAAAAAABoAQAAAAAAAAAAAAAAAAAAAAAAAAAAAAAAAAAAAAAAAAAAAAAAAAAAAAAAAAAAAAAAAAAAAAAAAAAAAAAAAAAAAAAAAAAAAAAAAAAAFAAAADwAAAAAAAAAAAAAAAAAAAkUAAAAAQAAABQAAAAUAAAAFAAAAAEAAAAAAAAAZAAAAGQAAAAAAAAAZAAAAGQAAAAVAAAAYAAAAAAAAAAAAAAADwAAACADAAAAAAAAAAAAAAEAAACgMgAAVgcAAKr4//8BAAAAf39/AAEAAABkAAAAAAAAABQAAABAHwAAAAAAACYAAAAAAAAAwOD//wAAAAAmAAAAZAAAABYAAABMAAAAAAAAAAAAAAAEAAAAAAAAAAEAAADu7OEKAAAAACgAAAAoAAAAZAAAAGQAAAAAAAAAzMzMAAAAAABQAAAAUAAAAGQAAABkAAAAAAAAABcAAAAUAAAAAAAAAAAAAAD/fwAA/38AAAAAAAAJAAAABAAAAC4AAAAMAAAAEAAAAAAAAAAAAAAAAAAAAAAAAAAeAAAAaAAAAAEAAAAAAAAAAAAAAAAAAAAAAAAAECcAABAnAAAAAAAAAAAAAAAAAAAAAAAAAAAAAAAAAAAAAAAAAAAAABQAAAAAAAAAwMD/AAAAAAAAAAAAAAAAAAAAAABkAAAAAAAAAH9/fwAKAAAAHwAAAFQAAAAQJT8AD5bUAAAAAAAAAAAAAAAAAAAAAAAAAAAAAAAAAAAAAAAAAAAAAAAAAn9/fwAAAAADzMzMAMDA/wB/f38AAAAAAAAAAAAAAAAAAAAAAAAAAAAhAAAAGAAAABQAAAAAAAAAoggAAABQAACUDgAAEAAAACYAAAAIAAAA//////////8="/>
+                <pr:smNativeData xmlns:pr="smNativeData" xmlns:p14="http://schemas.microsoft.com/office/powerpoint/2010/main" xmlns="" val="SMDATA_13_eIVQYBMAAAAlAAAACwAAAA0AAAAAAAAAAAAAAAAAAAAAAAAAAAAAAAAAAAAAAAAAAAEAAABQAAAAAAAAAAAA4D8AAAAAAADgPwAAAAAAAOA/AAAAAAAA4D8AAAAAAADgPwAAAAAAAOA/AAAAAAAA4D8AAAAAAADgPwAAAAAAAOA/AAAAAAAA4D8CAAAAjAAAAAEAAAADAAAAECU/AA+W1AAAAAAAAAAAAAAAAAAAAAAAAAAAAAAAAAAAAAAAeAAAAAEAAABAAAAAZAAAAAAAAABoAQAAAAAAAAAAAAAAAAAAAAAAAAAAAAAAAAAAAAAAAAAAAAAAAAAAAAAAAAAAAAAAAAAAAAAAAAAAAAAAAAAAAAAAAAAAAAAAAAAAFAAAADwAAAAAAAAAAAAAAAAAAAkUAAAAAQAAABQAAAAUAAAAFAAAAAEAAAAAAAAAZAAAAGQAAAAAAAAAZAAAAGQAAAAVAAAAYAAAAAAAAAAAAAAADwAAACADAAAAAAAAAAAAAAEAAACgMgAAVgcAAKr4//8BAAAAf39/AAEAAABkAAAAAAAAABQAAABAHwAAAAAAACYAAAAAAAAAwOD//wAAAAAmAAAAZAAAABYAAABMAAAAAAAAAAAAAAAEAAAAAAAAAAEAAADu7OEKAAAAACgAAAAoAAAAZAAAAGQAAAAAAAAAzMzMAAAAAABQAAAAUAAAAGQAAABkAAAAAAAAABcAAAAUAAAAAAAAAAAAAAD/fwAA/38AAAAAAAAJAAAABAAAAC4AAAAMAAAAEAAAAAAAAAAAAAAAAAAAAAAAAAAeAAAAaAAAAAEAAAAAAAAAAAAAAAAAAAAAAAAAECcAABAnAAAAAAAAAAAAAAAAAAAAAAAAAAAAAAAAAAAAAAAAAAAAABQAAAAAAAAAwMD/AAAAAAAAAAAAAAAAAAAAAABkAAAAAAAAAH9/fwAKAAAAHwAAAFQAAAAQJT8AD5bUAAAAAAAAAAAAAAAAAAAAAAAAAAAAAAAAAAAAAAAAAAAAAAAAAn9/fwAAAAADzMzMAMDA/wB/f38AAAAAAAAAAAAAAAAAAAAAAAAAAAAhAAAAGAAAABQAAAAAAAAAoggAAABQAACUDgAAEAAAACYAAAAIAAAA//////////8="/>
               </a:ext>
             </a:extLst>
           </p:cNvSpPr>
@@ -2924,6 +2966,7 @@
             <a:pPr>
               <a:defRPr lang="de-de"/>
             </a:pPr>
+            <a:endParaRPr/>
           </a:p>
         </p:txBody>
       </p:sp>
@@ -2934,7 +2977,7 @@
             <a:spLocks noGrp="1" noChangeArrowheads="1"/>
             <a:extLst>
               <a:ext uri="smNativeData">
-                <pr:smNativeData xmlns:pr="smNativeData" val="SMDATA_13_eIVQYBMAAAAlAAAAZAAAAA0AAAAAAAAAAAAAAAAAAAAAAAAAAAAAAAAAAAAAAAAAAAEAAABQAAAAAAAAAAAA4D8AAAAAAADgPwAAAAAAAOA/AAAAAAAA4D8AAAAAAADgPwAAAAAAAOA/AAAAAAAA4D8AAAAAAADgPwAAAAAAAOA/AAAAAAAA4D8CAAAAjAAAAAAAAAAAAAAA////AP///wgAAAAAAAAAAAAAAAAAAAAAAAAAAAAAAAAAAAAAeAAAAAEAAABAAAAAAAAAAAAAAABaAAAAAAAAAAAAAAAAAAAAAAAAAAAAAAAAAAAAAAAAAAAAAAAAAAAAAAAAAAAAAAAAAAAAAAAAAAAAAAAAAAAAAAAAAAAAAAAAAAAAFAAAADwAAAAAAAAAAAAAAAAAAAAPAAAAAQAAACMAAAAjAAAAIwAAAB4AAAAAAAAAZAAAAGQAAAAAAAAAZAAAAGQAAAAVAAAAYAAAAAAAAAAAAAAADwAAACADAAAAAAAAAAAAAAEAAACgMgAAVgcAAKr4//8BAAAAf39/AAEAAABkAAAAAAAAABQAAABAHwAAAAAAACYAAAAAAAAAwOD//wAAAAAmAAAAZAAAABYAAABMAAAAAAAAAAAAAAAEAAAAAAAAAAEAAADu7OEKAAAAACgAAAAoAAAAZAAAAGQAAAAAAAAAzMzMAAAAAABQAAAAUAAAAGQAAABkAAAAAAAAABcAAAAUAAAAAAAAAAAAAAD/fwAA/38AAAAAAAAJAAAABAAAAAAAAAAMAAAAEAAAAAAAAAAAAAAAAAAAAAAAAAAeAAAAaAAAAAAAAAAAAAAAAAAAAAAAAAAAAAAAECcAABAnAAAAAAAAAAAAAAAAAAAAAAAAAAAAAAAAAAAAAAAAAAAAABQAAAAAAAAAwMD/AAAAAABkAAAAMgAAAAAAAABkAAAAAAAAAH9/fwAKAAAAHwAAAFQAAAD///8AAAAAAQAAAAAAAAAAAAAAAAAAAAAAAAAAAAAAAAAAAAAAAAAAAAAAAH9/fwAAAAADzMzMAMDA/wB/f38AAAAAAAAAAAAAAAAAAAAAAAAAAAAhAAAAGAAAABQAAAAQJwAAlA4AABpQAACYNwAAEAAAACYAAAAIAAAAPRAAAAAAAAA="/>
+                <pr:smNativeData xmlns:pr="smNativeData" xmlns:p14="http://schemas.microsoft.com/office/powerpoint/2010/main" xmlns="" val="SMDATA_13_eIVQYBMAAAAlAAAAZAAAAA0AAAAAAAAAAAAAAAAAAAAAAAAAAAAAAAAAAAAAAAAAAAEAAABQAAAAAAAAAAAA4D8AAAAAAADgPwAAAAAAAOA/AAAAAAAA4D8AAAAAAADgPwAAAAAAAOA/AAAAAAAA4D8AAAAAAADgPwAAAAAAAOA/AAAAAAAA4D8CAAAAjAAAAAAAAAAAAAAA////AP///wgAAAAAAAAAAAAAAAAAAAAAAAAAAAAAAAAAAAAAeAAAAAEAAABAAAAAAAAAAAAAAABaAAAAAAAAAAAAAAAAAAAAAAAAAAAAAAAAAAAAAAAAAAAAAAAAAAAAAAAAAAAAAAAAAAAAAAAAAAAAAAAAAAAAAAAAAAAAAAAAAAAAFAAAADwAAAAAAAAAAAAAAAAAAAAPAAAAAQAAACMAAAAjAAAAIwAAAB4AAAAAAAAAZAAAAGQAAAAAAAAAZAAAAGQAAAAVAAAAYAAAAAAAAAAAAAAADwAAACADAAAAAAAAAAAAAAEAAACgMgAAVgcAAKr4//8BAAAAf39/AAEAAABkAAAAAAAAABQAAABAHwAAAAAAACYAAAAAAAAAwOD//wAAAAAmAAAAZAAAABYAAABMAAAAAAAAAAAAAAAEAAAAAAAAAAEAAADu7OEKAAAAACgAAAAoAAAAZAAAAGQAAAAAAAAAzMzMAAAAAABQAAAAUAAAAGQAAABkAAAAAAAAABcAAAAUAAAAAAAAAAAAAAD/fwAA/38AAAAAAAAJAAAABAAAAAAAAAAMAAAAEAAAAAAAAAAAAAAAAAAAAAAAAAAeAAAAaAAAAAAAAAAAAAAAAAAAAAAAAAAAAAAAECcAABAnAAAAAAAAAAAAAAAAAAAAAAAAAAAAAAAAAAAAAAAAAAAAABQAAAAAAAAAwMD/AAAAAABkAAAAMgAAAAAAAABkAAAAAAAAAH9/fwAKAAAAHwAAAFQAAAD///8AAAAAAQAAAAAAAAAAAAAAAAAAAAAAAAAAAAAAAAAAAAAAAAAAAAAAAH9/fwAAAAADzMzMAMDA/wB/f38AAAAAAAAAAAAAAAAAAAAAAAAAAAAhAAAAGAAAABQAAAAQJwAAlA4AABpQAACYNwAAEAAAACYAAAAIAAAAPRAAAAAAAAA="/>
               </a:ext>
             </a:extLst>
           </p:cNvSpPr>
@@ -2959,6 +3002,7 @@
             <a:pPr>
               <a:defRPr lang="de-de"/>
             </a:pPr>
+            <a:endParaRPr/>
           </a:p>
         </p:txBody>
       </p:sp>
@@ -2969,7 +3013,7 @@
             <a:spLocks noGrp="1" noChangeArrowheads="1"/>
             <a:extLst>
               <a:ext uri="smNativeData">
-                <pr:smNativeData xmlns:pr="smNativeData" val="SMDATA_13_eIVQYBMAAAAlAAAAZAAAAA0AAAAAAAAAAAAAAAAAAAAAAAAAAAAAAAAAAAAAAAAAAAEAAABQAAAAAAAAAAAA4D8AAAAAAADgPwAAAAAAAOA/AAAAAAAA4D8AAAAAAADgPwAAAAAAAOA/AAAAAAAA4D8AAAAAAADgPwAAAAAAAOA/AAAAAAAA4D8CAAAAjAAAAAAAAAAAAAAA////AP///wgAAAAAAAAAAAAAAAAAAAAAAAAAAAAAAAAAAAAAeAAAAAEAAABAAAAAAAAAAAAAAABaAAAAAAAAAAAAAAAAAAAAAAAAAAAAAAAAAAAAAAAAAAAAAAAAAAAAAAAAAAAAAAAAAAAAAAAAAAAAAAAAAAAAAAAAAAAAAAAAAAAAFAAAADwAAAAAAAAAAAAAAAAAAAAPAAAAAQAAACMAAAAjAAAAIwAAAB4AAAAAAAAAZAAAAGQAAAAAAAAAZAAAAGQAAAAVAAAAYAAAAAAAAAAAAAAADwAAACADAAAAAAAAAAAAAAEAAACgMgAAVgcAAKr4//8BAAAAf39/AAEAAABkAAAAAAAAABQAAABAHwAAAAAAACYAAAAAAAAAwOD//wAAAAAmAAAAZAAAABYAAABMAAAAAAAAAAAAAAAEAAAAAAAAAAEAAADu7OEKAAAAACgAAAAoAAAAZAAAAGQAAAAAAAAAzMzMAAAAAABQAAAAUAAAAGQAAABkAAAAAAAAABcAAAAUAAAAAAAAAAAAAAD/fwAA/38AAAAAAAAJAAAABAAAAAAAAAAMAAAAEAAAAAAAAAAAAAAAAAAAAAAAAAAeAAAAaAAAAAAAAAAAAAAAAAAAAAAAAAAAAAAAECcAABAnAAAAAAAAAAAAAAAAAAAAAAAAAAAAAAAAAAAAAAAAAAAAABQAAAAAAAAAwMD/AAAAAABkAAAAMgAAAAAAAABkAAAAAAAAAH9/fwAKAAAAHwAAAFQAAAD///8AAAAAAQAAAAAAAAAAAAAAAAAAAAAAAAAAAAAAAAAAAAAAAAAAAAAAAH9/fwAAAAADzMzMAMDA/wB/f38AAAAAAAAAAAAAAAAAAAAAAAAAAAAhAAAAGAAAABQAAADqAQAA4DgAAPAKAACYOgAAEAAAACYAAAAIAAAAPJAAAAAAAAA="/>
+                <pr:smNativeData xmlns:pr="smNativeData" xmlns:p14="http://schemas.microsoft.com/office/powerpoint/2010/main" xmlns="" val="SMDATA_13_eIVQYBMAAAAlAAAAZAAAAA0AAAAAAAAAAAAAAAAAAAAAAAAAAAAAAAAAAAAAAAAAAAEAAABQAAAAAAAAAAAA4D8AAAAAAADgPwAAAAAAAOA/AAAAAAAA4D8AAAAAAADgPwAAAAAAAOA/AAAAAAAA4D8AAAAAAADgPwAAAAAAAOA/AAAAAAAA4D8CAAAAjAAAAAAAAAAAAAAA////AP///wgAAAAAAAAAAAAAAAAAAAAAAAAAAAAAAAAAAAAAeAAAAAEAAABAAAAAAAAAAAAAAABaAAAAAAAAAAAAAAAAAAAAAAAAAAAAAAAAAAAAAAAAAAAAAAAAAAAAAAAAAAAAAAAAAAAAAAAAAAAAAAAAAAAAAAAAAAAAAAAAAAAAFAAAADwAAAAAAAAAAAAAAAAAAAAPAAAAAQAAACMAAAAjAAAAIwAAAB4AAAAAAAAAZAAAAGQAAAAAAAAAZAAAAGQAAAAVAAAAYAAAAAAAAAAAAAAADwAAACADAAAAAAAAAAAAAAEAAACgMgAAVgcAAKr4//8BAAAAf39/AAEAAABkAAAAAAAAABQAAABAHwAAAAAAACYAAAAAAAAAwOD//wAAAAAmAAAAZAAAABYAAABMAAAAAAAAAAAAAAAEAAAAAAAAAAEAAADu7OEKAAAAACgAAAAoAAAAZAAAAGQAAAAAAAAAzMzMAAAAAABQAAAAUAAAAGQAAABkAAAAAAAAABcAAAAUAAAAAAAAAAAAAAD/fwAA/38AAAAAAAAJAAAABAAAAAAAAAAMAAAAEAAAAAAAAAAAAAAAAAAAAAAAAAAeAAAAaAAAAAAAAAAAAAAAAAAAAAAAAAAAAAAAECcAABAnAAAAAAAAAAAAAAAAAAAAAAAAAAAAAAAAAAAAAAAAAAAAABQAAAAAAAAAwMD/AAAAAABkAAAAMgAAAAAAAABkAAAAAAAAAH9/fwAKAAAAHwAAAFQAAAD///8AAAAAAQAAAAAAAAAAAAAAAAAAAAAAAAAAAAAAAAAAAAAAAAAAAAAAAH9/fwAAAAADzMzMAMDA/wB/f38AAAAAAAAAAAAAAAAAAAAAAAAAAAAhAAAAGAAAABQAAADqAQAA4DgAAPAKAACYOgAAEAAAACYAAAAIAAAAPJAAAAAAAAA="/>
               </a:ext>
             </a:extLst>
           </p:cNvSpPr>
@@ -3025,7 +3069,6 @@
               <a:rPr lang="en-us"/>
               <a:t>25.03.2021</a:t>
             </a:r>
-            <a:endParaRPr lang="en-us"/>
           </a:p>
         </p:txBody>
       </p:sp>
@@ -3036,7 +3079,7 @@
             <a:spLocks noGrp="1" noChangeArrowheads="1"/>
             <a:extLst>
               <a:ext uri="smNativeData">
-                <pr:smNativeData xmlns:pr="smNativeData" val="SMDATA_13_eIVQYBMAAAAlAAAAEgAAAA0AAAAAAAAAAAAAAAAAAAAAAAAAAAAAAAAAAAAAAAAAAAEAAABQAAAAAAAAAAAA4D8AAAAAAADgPwAAAAAAAOA/AAAAAAAA4D8AAAAAAADgPwAAAAAAAOA/AAAAAAAA4D8AAAAAAADgPwAAAAAAAOA/AAAAAAAA4D8CAAAAjAAAAAAAAAAAAAAA////AP///wgAAAAAAAAAAAAAAAAAAAAAAAAAAAAAAAAAAAAAeAAAAAEAAABAAAAAAAAAAAAAAABaAAAAAAAAAAAAAAAAAAAAAAAAAAAAAAAAAAAAAAAAAAAAAAAAAAAAAAAAAAAAAAAAAAAAAAAAAAAAAAAAAAAAAAAAAAAAAAAAAAAAFAAAADwAAAAAAAAAAAAAAAAAAAAPAAAAAQAAACMAAAAjAAAAIwAAAB4AAAAAAAAAZAAAAGQAAAAAAAAAZAAAAGQAAAAVAAAAYAAAAAAAAAAAAAAADwAAACADAAAAAAAAAAAAAAEAAACgMgAAVgcAAKr4//8BAAAAf39/AAEAAABkAAAAAAAAABQAAABAHwAAAAAAACYAAAAAAAAAwOD//wAAAAAmAAAAZAAAABYAAABMAAAAAAAAAAAAAAAEAAAAAAAAAAEAAADu7OEKAAAAACgAAAAoAAAAZAAAAGQAAAAAAAAAzMzMAAAAAABQAAAAUAAAAGQAAABkAAAAAAAAABcAAAAUAAAAAAAAAAAAAAD/fwAA/38AAAAAAAAJAAAABAAAADgAQwAMAAAAEAAAAAAAAAAAAAAAAAAAAAAAAAAeAAAAaAAAAAAAAAAAAAAAAAAAAAAAAAAAAAAAECcAABAnAAAAAAAAAAAAAAAAAAAAAAAAAAAAAAAAAAAAAAAAAAAAABQAAAAAAAAAwMD/AAAAAABkAAAAMgAAAAAAAABkAAAAAAAAAH9/fwAKAAAAHwAAAFQAAAD///8AAAAAAQAAAAAAAAAAAAAAAAAAAAAAAAAAAAAAAAAAAAAAAAAAAAAAAH9/fwAAAAADzMzMAMDA/wB/f38AAAAAAAAAAAAAAAAAAAAAAAAAAAAhAAAAGAAAABQAAAAAAAAAAAAAAAAAAAAAAAAAEAAAACYAAAAIAAAAPJEAAAAAAAA="/>
+                <pr:smNativeData xmlns:pr="smNativeData" xmlns:p14="http://schemas.microsoft.com/office/powerpoint/2010/main" xmlns="" val="SMDATA_13_eIVQYBMAAAAlAAAAEgAAAA0AAAAAAAAAAAAAAAAAAAAAAAAAAAAAAAAAAAAAAAAAAAEAAABQAAAAAAAAAAAA4D8AAAAAAADgPwAAAAAAAOA/AAAAAAAA4D8AAAAAAADgPwAAAAAAAOA/AAAAAAAA4D8AAAAAAADgPwAAAAAAAOA/AAAAAAAA4D8CAAAAjAAAAAAAAAAAAAAA////AP///wgAAAAAAAAAAAAAAAAAAAAAAAAAAAAAAAAAAAAAeAAAAAEAAABAAAAAAAAAAAAAAABaAAAAAAAAAAAAAAAAAAAAAAAAAAAAAAAAAAAAAAAAAAAAAAAAAAAAAAAAAAAAAAAAAAAAAAAAAAAAAAAAAAAAAAAAAAAAAAAAAAAAFAAAADwAAAAAAAAAAAAAAAAAAAAPAAAAAQAAACMAAAAjAAAAIwAAAB4AAAAAAAAAZAAAAGQAAAAAAAAAZAAAAGQAAAAVAAAAYAAAAAAAAAAAAAAADwAAACADAAAAAAAAAAAAAAEAAACgMgAAVgcAAKr4//8BAAAAf39/AAEAAABkAAAAAAAAABQAAABAHwAAAAAAACYAAAAAAAAAwOD//wAAAAAmAAAAZAAAABYAAABMAAAAAAAAAAAAAAAEAAAAAAAAAAEAAADu7OEKAAAAACgAAAAoAAAAZAAAAGQAAAAAAAAAzMzMAAAAAABQAAAAUAAAAGQAAABkAAAAAAAAABcAAAAUAAAAAAAAAAAAAAD/fwAA/38AAAAAAAAJAAAABAAAADgAQwAMAAAAEAAAAAAAAAAAAAAAAAAAAAAAAAAeAAAAaAAAAAAAAAAAAAAAAAAAAAAAAAAAAAAAECcAABAnAAAAAAAAAAAAAAAAAAAAAAAAAAAAAAAAAAAAAAAAAAAAABQAAAAAAAAAwMD/AAAAAABkAAAAMgAAAAAAAABkAAAAAAAAAH9/fwAKAAAAHwAAAFQAAAD///8AAAAAAQAAAAAAAAAAAAAAAAAAAAAAAAAAAAAAAAAAAAAAAAAAAAAAAH9/fwAAAAADzMzMAMDA/wB/f38AAAAAAAAAAAAAAAAAAAAAAAAAAAAhAAAAGAAAABQAAAAAAAAAAAAAAAAAAAAAAAAAEAAAACYAAAAIAAAAPJEAAAAAAAA="/>
               </a:ext>
             </a:extLst>
           </p:cNvSpPr>
@@ -3096,7 +3139,6 @@
               <a:rPr lang="en-gb"/>
               <a:t>The Protection of Bystanders’ Privacy - Seminar on Privacy in Ubiquitous Computing</a:t>
             </a:r>
-            <a:endParaRPr lang="en-gb"/>
           </a:p>
         </p:txBody>
       </p:sp>
@@ -3107,7 +3149,7 @@
             <a:spLocks noGrp="1" noChangeArrowheads="1"/>
             <a:extLst>
               <a:ext uri="smNativeData">
-                <pr:smNativeData xmlns:pr="smNativeData" val="SMDATA_13_eIVQYBMAAAAlAAAAZAAAAA0AAAAAAAAAAAAAAAAAAAAAAAAAAAAAAAAAAAAAAAAAAAEAAABQAAAAAAAAAAAA4D8AAAAAAADgPwAAAAAAAOA/AAAAAAAA4D8AAAAAAADgPwAAAAAAAOA/AAAAAAAA4D8AAAAAAADgPwAAAAAAAOA/AAAAAAAA4D8CAAAAjAAAAAAAAAAAAAAA////AP///wgAAAAAAAAAAAAAAAAAAAAAAAAAAAAAAAAAAAAAeAAAAAEAAABAAAAAAAAAAAAAAABaAAAAAAAAAAAAAAAAAAAAAAAAAAAAAAAAAAAAAAAAAAAAAAAAAAAAAAAAAAAAAAAAAAAAAAAAAAAAAAAAAAAAAAAAAAAAAAAAAAAAFAAAADwAAAAAAAAAAAAAAAAAAAAPAAAAAQAAACMAAAAjAAAAIwAAAB4AAAAAAAAAZAAAAGQAAAAAAAAAZAAAAGQAAAAVAAAAYAAAAAAAAAAAAAAADwAAACADAAAAAAAAAAAAAAEAAACgMgAAVgcAAKr4//8BAAAAf39/AAEAAABkAAAAAAAAABQAAABAHwAAAAAAACYAAAAAAAAAwOD//wAAAAAmAAAAZAAAABYAAABMAAAAAAAAAAAAAAAEAAAAAAAAAAEAAADu7OEKAAAAACgAAAAoAAAAZAAAAGQAAAAAAAAAzMzMAAAAAABQAAAAUAAAAGQAAABkAAAAAAAAABcAAAAUAAAAAAAAAAAAAAD/fwAA/38AAAAAAAAJAAAABAAAAAAAAAAMAAAAEAAAAAAAAAAAAAAAAAAAAAAAAAAeAAAAaAAAAAAAAAAAAAAAAAAAAAAAAAAAAAAAECcAABAnAAAAAAAAAAAAAAAAAAAAAAAAAAAAAAAAAAAAAAAAAAAAABQAAAAAAAAAwMD/AAAAAABkAAAAMgAAAAAAAABkAAAAAAAAAH9/fwAKAAAAHwAAAFQAAAD///8AAAAAAQAAAAAAAAAAAAAAAAAAAAAAAAAAAAAAAAAAAAAAAAAAAAAAAH9/fwAAAAADzMzMAMDA/wB/f38AAAAAAAAAAAAAAAAAAAAAAAAAAAAhAAAAGAAAABQAAADQSAAAGDkAABZOAACYOgAAEAAAACYAAAAIAAAAPJAAAAAAAAA="/>
+                <pr:smNativeData xmlns:pr="smNativeData" xmlns:p14="http://schemas.microsoft.com/office/powerpoint/2010/main" xmlns="" val="SMDATA_13_eIVQYBMAAAAlAAAAZAAAAA0AAAAAAAAAAAAAAAAAAAAAAAAAAAAAAAAAAAAAAAAAAAEAAABQAAAAAAAAAAAA4D8AAAAAAADgPwAAAAAAAOA/AAAAAAAA4D8AAAAAAADgPwAAAAAAAOA/AAAAAAAA4D8AAAAAAADgPwAAAAAAAOA/AAAAAAAA4D8CAAAAjAAAAAAAAAAAAAAA////AP///wgAAAAAAAAAAAAAAAAAAAAAAAAAAAAAAAAAAAAAeAAAAAEAAABAAAAAAAAAAAAAAABaAAAAAAAAAAAAAAAAAAAAAAAAAAAAAAAAAAAAAAAAAAAAAAAAAAAAAAAAAAAAAAAAAAAAAAAAAAAAAAAAAAAAAAAAAAAAAAAAAAAAFAAAADwAAAAAAAAAAAAAAAAAAAAPAAAAAQAAACMAAAAjAAAAIwAAAB4AAAAAAAAAZAAAAGQAAAAAAAAAZAAAAGQAAAAVAAAAYAAAAAAAAAAAAAAADwAAACADAAAAAAAAAAAAAAEAAACgMgAAVgcAAKr4//8BAAAAf39/AAEAAABkAAAAAAAAABQAAABAHwAAAAAAACYAAAAAAAAAwOD//wAAAAAmAAAAZAAAABYAAABMAAAAAAAAAAAAAAAEAAAAAAAAAAEAAADu7OEKAAAAACgAAAAoAAAAZAAAAGQAAAAAAAAAzMzMAAAAAABQAAAAUAAAAGQAAABkAAAAAAAAABcAAAAUAAAAAAAAAAAAAAD/fwAA/38AAAAAAAAJAAAABAAAAAAAAAAMAAAAEAAAAAAAAAAAAAAAAAAAAAAAAAAeAAAAaAAAAAAAAAAAAAAAAAAAAAAAAAAAAAAAECcAABAnAAAAAAAAAAAAAAAAAAAAAAAAAAAAAAAAAAAAAAAAAAAAABQAAAAAAAAAwMD/AAAAAABkAAAAMgAAAAAAAABkAAAAAAAAAH9/fwAKAAAAHwAAAFQAAAD///8AAAAAAQAAAAAAAAAAAAAAAAAAAAAAAAAAAAAAAAAAAAAAAAAAAAAAAH9/fwAAAAADzMzMAMDA/wB/f38AAAAAAAAAAAAAAAAAAAAAAAAAAAAhAAAAGAAAABQAAADQSAAAGDkAABZOAACYOgAAEAAAACYAAAAIAAAAPJAAAAAAAAA="/>
               </a:ext>
             </a:extLst>
           </p:cNvSpPr>
@@ -3162,6 +3204,7 @@
             <a:fld id="{765BBC7B-359B-0E4A-D5E3-C31FF2AD2396}" type="slidenum">
               <a:t>‹#›</a:t>
             </a:fld>
+            <a:endParaRPr/>
           </a:p>
         </p:txBody>
       </p:sp>
@@ -3172,7 +3215,7 @@
             <a:spLocks noGrp="1" noChangeArrowheads="1"/>
             <a:extLst>
               <a:ext uri="smNativeData">
-                <pr:smNativeData xmlns:pr="smNativeData" val="SMDATA_13_eIVQYBMAAAAlAAAAZAAAAA0AAAAAAAAAAAAAAAAAAAAAAAAAAAAAAAAAAAAAAAAAAAEAAABQAAAAAAAAAAAA4D8AAAAAAADgPwAAAAAAAOA/AAAAAAAA4D8AAAAAAADgPwAAAAAAAOA/AAAAAAAA4D8AAAAAAADgPwAAAAAAAOA/AAAAAAAA4D8CAAAAjAAAAAAAAAAAAAAA////AP///wgAAAAAAAAAAAAAAAAAAAAAAAAAAAAAAAAAAAAAeAAAAAEAAABAAAAAAAAAAAAAAABaAAAAAAAAAAAAAAAAAAAAAAAAAAAAAAAAAAAAAAAAAAAAAAAAAAAAAAAAAAAAAAAAAAAAAAAAAAAAAAAAAAAAAAAAAAAAAAAAAAAAFAAAADwAAAAAAAAAAAAAAAAAAAAPAAAAAQAAACMAAAAjAAAAIwAAAB4AAAAAAAAAZAAAAGQAAAAAAAAAZAAAAGQAAAAVAAAAYAAAAAAAAAAAAAAADwAAACADAAAAAAAAAAAAAAEAAACgMgAAVgcAAKr4//8BAAAAf39/AAEAAABkAAAAAAAAABQAAABAHwAAAAAAACYAAAAAAAAAwOD//wAAAAAmAAAAZAAAABYAAABMAAAAAAAAAAAAAAAEAAAAAAAAAAEAAADu7OEKAAAAACgAAAAoAAAAZAAAAGQAAAAAAAAAzMzMAAAAAABQAAAAUAAAAGQAAABkAAAAAAAAABcAAAAUAAAAAAAAAAAAAAD/fwAA/38AAAAAAAAJAAAABAAAAAAAAAAMAAAAEAAAAAAAAAAAAAAAAAAAAAAAAAAeAAAAaAAAAAAAAAAAAAAAAAAAAAAAAAAAAAAAECcAABAnAAAAAAAAAAAAAAAAAAAAAAAAAAAAAAAAAAAAAAAAAAAAABQAAAAAAAAAwMD/AAAAAABkAAAAMgAAAAAAAABkAAAAAAAAAH9/fwAKAAAAHwAAAFQAAAD///8AAAAAAQAAAAAAAAAAAAAAAAAAAAAAAAAAAAAAAAAAAAAAAAAAAAAAAH9/fwAAAAADzMzMAMDA/wB/f38AAAAAAAAAAAAAAAAAAAAAAAAAAAAhAAAAGAAAABQAAABABgAAwBIAAGAiAAAGFQAAEAAAACYAAAAIAAAAPZAAAAAAAAA="/>
+                <pr:smNativeData xmlns:pr="smNativeData" xmlns:p14="http://schemas.microsoft.com/office/powerpoint/2010/main" xmlns="" val="SMDATA_13_eIVQYBMAAAAlAAAAZAAAAA0AAAAAAAAAAAAAAAAAAAAAAAAAAAAAAAAAAAAAAAAAAAEAAABQAAAAAAAAAAAA4D8AAAAAAADgPwAAAAAAAOA/AAAAAAAA4D8AAAAAAADgPwAAAAAAAOA/AAAAAAAA4D8AAAAAAADgPwAAAAAAAOA/AAAAAAAA4D8CAAAAjAAAAAAAAAAAAAAA////AP///wgAAAAAAAAAAAAAAAAAAAAAAAAAAAAAAAAAAAAAeAAAAAEAAABAAAAAAAAAAAAAAABaAAAAAAAAAAAAAAAAAAAAAAAAAAAAAAAAAAAAAAAAAAAAAAAAAAAAAAAAAAAAAAAAAAAAAAAAAAAAAAAAAAAAAAAAAAAAAAAAAAAAFAAAADwAAAAAAAAAAAAAAAAAAAAPAAAAAQAAACMAAAAjAAAAIwAAAB4AAAAAAAAAZAAAAGQAAAAAAAAAZAAAAGQAAAAVAAAAYAAAAAAAAAAAAAAADwAAACADAAAAAAAAAAAAAAEAAACgMgAAVgcAAKr4//8BAAAAf39/AAEAAABkAAAAAAAAABQAAABAHwAAAAAAACYAAAAAAAAAwOD//wAAAAAmAAAAZAAAABYAAABMAAAAAAAAAAAAAAAEAAAAAAAAAAEAAADu7OEKAAAAACgAAAAoAAAAZAAAAGQAAAAAAAAAzMzMAAAAAABQAAAAUAAAAGQAAABkAAAAAAAAABcAAAAUAAAAAAAAAAAAAAD/fwAA/38AAAAAAAAJAAAABAAAAAAAAAAMAAAAEAAAAAAAAAAAAAAAAAAAAAAAAAAeAAAAaAAAAAAAAAAAAAAAAAAAAAAAAAAAAAAAECcAABAnAAAAAAAAAAAAAAAAAAAAAAAAAAAAAAAAAAAAAAAAAAAAABQAAAAAAAAAwMD/AAAAAABkAAAAMgAAAAAAAABkAAAAAAAAAH9/fwAKAAAAHwAAAFQAAAD///8AAAAAAQAAAAAAAAAAAAAAAAAAAAAAAAAAAAAAAAAAAAAAAAAAAAAAAH9/fwAAAAADzMzMAMDA/wB/f38AAAAAAAAAAAAAAAAAAAAAAAAAAAAhAAAAGAAAABQAAABABgAAwBIAAGAiAAAGFQAAEAAAACYAAAAIAAAAPZAAAAAAAAA="/>
               </a:ext>
             </a:extLst>
           </p:cNvSpPr>
@@ -3232,6 +3275,7 @@
             <a:pPr>
               <a:defRPr lang="de-de"/>
             </a:pPr>
+            <a:endParaRPr/>
           </a:p>
         </p:txBody>
       </p:sp>
@@ -3242,7 +3286,7 @@
             <a:spLocks noGrp="1" noChangeArrowheads="1"/>
             <a:extLst>
               <a:ext uri="smNativeData">
-                <pr:smNativeData xmlns:pr="smNativeData" val="SMDATA_13_eIVQYBMAAAAlAAAAZAAAAA0AAAAAAAAAAAAAAAAAAAAAAAAAAAAAAAAAAAAAAAAAAAEAAABQAAAAAAAAAAAA4D8AAAAAAADgPwAAAAAAAOA/AAAAAAAA4D8AAAAAAADgPwAAAAAAAOA/AAAAAAAA4D8AAAAAAADgPwAAAAAAAOA/AAAAAAAA4D8CAAAAjAAAAAAAAAAAAAAA////AP///wgAAAAAAAAAAAAAAAAAAAAAAAAAAAAAAAAAAAAAeAAAAAEAAABAAAAAAAAAAAAAAABaAAAAAAAAAAAAAAAAAAAAAAAAAAAAAAAAAAAAAAAAAAAAAAAAAAAAAAAAAAAAAAAAAAAAAAAAAAAAAAAAAAAAAAAAAAAAAAAAAAAAFAAAADwAAAAAAAAAAAAAAAAAAAAPAAAAAQAAACMAAAAjAAAAIwAAAB4AAAAAAAAAZAAAAGQAAAAAAAAAZAAAAGQAAAAVAAAAYAAAAAAAAAAAAAAADwAAACADAAAAAAAAAAAAAAEAAACgMgAAVgcAAKr4//8BAAAAf39/AAEAAABkAAAAAAAAABQAAABAHwAAAAAAACYAAAAAAAAAwOD//wAAAAAmAAAAZAAAABYAAABMAAAAAAAAAAAAAAAEAAAAAAAAAAEAAADu7OEKAAAAACgAAAAoAAAAZAAAAGQAAAAAAAAAzMzMAAAAAABQAAAAUAAAAGQAAABkAAAAAAAAABcAAAAUAAAAAAAAAAAAAAD/fwAA/38AAAAAAAAJAAAABAAAAAAAAAAMAAAAEAAAAAAAAAAAAAAAAAAAAAAAAAAeAAAAaAAAAAAAAAAAAAAAAAAAAAAAAAAAAAAAECcAABAnAAAAAAAAAAAAAAAAAAAAAAAAAAAAAAAAAAAAAAAAAAAAABQAAAAAAAAAwMD/AAAAAABkAAAAMgAAAAAAAABkAAAAAAAAAH9/fwAKAAAAHwAAAFQAAAD///8AAAAAAQAAAAAAAAAAAAAAAAAAAAAAAAAAAAAAAAAAAAAAAAAAAAAAAH9/fwAAAAADzMzMAMDA/wB/f38AAAAAAAAAAAAAAAAAAAAAAAAAAAAhAAAAGAAAABQAAADIBQAAdAkAAHpIAACsDAAAEAAAACYAAAAIAAAAPZAAAAAAAAA="/>
+                <pr:smNativeData xmlns:pr="smNativeData" xmlns:p14="http://schemas.microsoft.com/office/powerpoint/2010/main" xmlns="" val="SMDATA_13_eIVQYBMAAAAlAAAAZAAAAA0AAAAAAAAAAAAAAAAAAAAAAAAAAAAAAAAAAAAAAAAAAAEAAABQAAAAAAAAAAAA4D8AAAAAAADgPwAAAAAAAOA/AAAAAAAA4D8AAAAAAADgPwAAAAAAAOA/AAAAAAAA4D8AAAAAAADgPwAAAAAAAOA/AAAAAAAA4D8CAAAAjAAAAAAAAAAAAAAA////AP///wgAAAAAAAAAAAAAAAAAAAAAAAAAAAAAAAAAAAAAeAAAAAEAAABAAAAAAAAAAAAAAABaAAAAAAAAAAAAAAAAAAAAAAAAAAAAAAAAAAAAAAAAAAAAAAAAAAAAAAAAAAAAAAAAAAAAAAAAAAAAAAAAAAAAAAAAAAAAAAAAAAAAFAAAADwAAAAAAAAAAAAAAAAAAAAPAAAAAQAAACMAAAAjAAAAIwAAAB4AAAAAAAAAZAAAAGQAAAAAAAAAZAAAAGQAAAAVAAAAYAAAAAAAAAAAAAAADwAAACADAAAAAAAAAAAAAAEAAACgMgAAVgcAAKr4//8BAAAAf39/AAEAAABkAAAAAAAAABQAAABAHwAAAAAAACYAAAAAAAAAwOD//wAAAAAmAAAAZAAAABYAAABMAAAAAAAAAAAAAAAEAAAAAAAAAAEAAADu7OEKAAAAACgAAAAoAAAAZAAAAGQAAAAAAAAAzMzMAAAAAABQAAAAUAAAAGQAAABkAAAAAAAAABcAAAAUAAAAAAAAAAAAAAD/fwAA/38AAAAAAAAJAAAABAAAAAAAAAAMAAAAEAAAAAAAAAAAAAAAAAAAAAAAAAAeAAAAaAAAAAAAAAAAAAAAAAAAAAAAAAAAAAAAECcAABAnAAAAAAAAAAAAAAAAAAAAAAAAAAAAAAAAAAAAAAAAAAAAABQAAAAAAAAAwMD/AAAAAABkAAAAMgAAAAAAAABkAAAAAAAAAH9/fwAKAAAAHwAAAFQAAAD///8AAAAAAQAAAAAAAAAAAAAAAAAAAAAAAAAAAAAAAAAAAAAAAAAAAAAAAH9/fwAAAAADzMzMAMDA/wB/f38AAAAAAAAAAAAAAAAAAAAAAAAAAAAhAAAAGAAAABQAAADIBQAAdAkAAHpIAACsDAAAEAAAACYAAAAIAAAAPZAAAAAAAAA="/>
               </a:ext>
             </a:extLst>
           </p:cNvSpPr>
@@ -3302,6 +3346,7 @@
             <a:pPr>
               <a:defRPr lang="de-de" cap="small"/>
             </a:pPr>
+            <a:endParaRPr/>
           </a:p>
         </p:txBody>
       </p:sp>
@@ -3314,7 +3359,7 @@
 </file>
 
 <file path=ppt/slideLayouts/slideLayout7.xml><?xml version="1.0" encoding="utf-8"?>
-<p:sldLayout xmlns:p="http://schemas.openxmlformats.org/presentationml/2006/main" xmlns:p14="http://schemas.microsoft.com/office/powerpoint/2010/main" xmlns:r="http://schemas.openxmlformats.org/officeDocument/2006/relationships" xmlns:a="http://schemas.openxmlformats.org/drawingml/2006/main" showMasterSp="0" type="blank" preserve="1">
+<p:sldLayout xmlns:a="http://schemas.openxmlformats.org/drawingml/2006/main" xmlns:r="http://schemas.openxmlformats.org/officeDocument/2006/relationships" xmlns:p="http://schemas.openxmlformats.org/presentationml/2006/main" showMasterSp="0" type="blank" preserve="1">
   <p:cSld name="Weiße Folie">
     <p:spTree>
       <p:nvGrpSpPr>
@@ -3339,7 +3384,7 @@
 </file>
 
 <file path=ppt/slideMasters/slideMaster1.xml><?xml version="1.0" encoding="utf-8"?>
-<p:sldMaster xmlns:p="http://schemas.openxmlformats.org/presentationml/2006/main" xmlns:p14="http://schemas.microsoft.com/office/powerpoint/2010/main" xmlns:r="http://schemas.openxmlformats.org/officeDocument/2006/relationships" xmlns:a="http://schemas.openxmlformats.org/drawingml/2006/main">
+<p:sldMaster xmlns:a="http://schemas.openxmlformats.org/drawingml/2006/main" xmlns:r="http://schemas.openxmlformats.org/officeDocument/2006/relationships" xmlns:p="http://schemas.openxmlformats.org/presentationml/2006/main">
   <p:cSld>
     <p:bg>
       <p:bgPr>
@@ -3370,14 +3415,14 @@
             <a:picLocks noChangeAspect="1"/>
             <a:extLst>
               <a:ext uri="smNativeData">
-                <pr:smNativeData xmlns:pr="smNativeData" val="SMDATA_15_eIVQYBMAAAAlAAAAEQAAAC0AAAAAkAAAAEgAAACQAAAASAAAAAAAAAAAAAAAAAAAAAEAAABQAAAAAAAAAAAA4D8AAAAAAADgPwAAAAAAAOA/AAAAAAAA4D8AAAAAAADgPwAAAAAAAOA/AAAAAAAA4D8AAAAAAADgPwAAAAAAAOA/AAAAAAAA4D8CAAAAjAAAAAAAAAAAAAAAT4G9DP///wgAAAAAAAAAAAAAAAAAAAAAAAAAAAAAAAAAAAAAZAAAAAEAAABAAAAAAAAAAAAAAAAAAAAAAAAAAAAAAAAAAAAAAAAAAAAAAAAAAAAAAAAAAAAAAAAAAAAAAAAAAAAAAAAAAAAAAAAAAAAAAAAAAAAAAAAAAAAAAAAAAAAAFAAAADwAAAAAAAAAAAAAAAAAAAkUAAAAAQAAABQAAAAUAAAAFAAAAAEAAAAAAAAAZAAAAGQAAAAAAAAAZAAAAGQAAAAVAAAAYAAAAAAAAAAAAAAADwAAACADAAAAAAAAAAAAAAEAAACgMgAAVgcAAKr4//8BAAAAf39/AAEAAABkAAAAAAAAABQAAABAHwAAAAAAACYAAAAAAAAAwOD//wAAAAAmAAAAZAAAABYAAABMAAAAAAAAAAAAAAAEAAAAAAAAAAEAAADu7OEKAAAAACgAAAAoAAAAZAAAAGQAAAAAAAAAzMzMAAAAAABQAAAAUAAAAGQAAABkAAAAAAAAAAcAAAA4AAAAAAAAAAAAAAAAAAAA////AAAAAAAAAAAAAAAAAAAAAAAAAAAAAAAAAAAAAABkAAAAZAAAAAAAAAAjAAAABAAAAGQAAAAXAAAAFAAAAAAAAAAAAAAA/38AAP9/AAAAAAAACQAAAAQAAAAAAAAADAAAABAAAAAAAAAAAAAAAAAAAAAAAAAAHgAAAGgAAAAAAAAAAAAAAAAAAAAAAAAAAAAAABAnAAAQJwAAAAAAAAAAAAAAAAAAAAAAAAAAAAAAAAAAAAAAAAAAAAAUAAAAAAAAAMDA/wAAAAAAZAAAADIAAAAAAAAAZAAAAAAAAAB/f38ACgAAAB8AAABUAAAAT4G9Bf///wEAAAAAAAAAAAAAAAAAAAAAAAAAAAAAAAAAAAAAAAAAAAAAAAJ/f38A7uzhA8zMzADAwP8Af39/AAAAAAAAAAAAAAAAAP///wAAAAAAIQAAABgAAAAUAAAAAAAAAAAAAAAAUAAAADwAABAAAAAmAAAACAAAAP//////////"/>
+                <pr:smNativeData xmlns:pr="smNativeData" xmlns:p14="http://schemas.microsoft.com/office/powerpoint/2010/main" xmlns="" val="SMDATA_15_eIVQYBMAAAAlAAAAEQAAAC0AAAAAkAAAAEgAAACQAAAASAAAAAAAAAAAAAAAAAAAAAEAAABQAAAAAAAAAAAA4D8AAAAAAADgPwAAAAAAAOA/AAAAAAAA4D8AAAAAAADgPwAAAAAAAOA/AAAAAAAA4D8AAAAAAADgPwAAAAAAAOA/AAAAAAAA4D8CAAAAjAAAAAAAAAAAAAAAT4G9DP///wgAAAAAAAAAAAAAAAAAAAAAAAAAAAAAAAAAAAAAZAAAAAEAAABAAAAAAAAAAAAAAAAAAAAAAAAAAAAAAAAAAAAAAAAAAAAAAAAAAAAAAAAAAAAAAAAAAAAAAAAAAAAAAAAAAAAAAAAAAAAAAAAAAAAAAAAAAAAAAAAAAAAAFAAAADwAAAAAAAAAAAAAAAAAAAkUAAAAAQAAABQAAAAUAAAAFAAAAAEAAAAAAAAAZAAAAGQAAAAAAAAAZAAAAGQAAAAVAAAAYAAAAAAAAAAAAAAADwAAACADAAAAAAAAAAAAAAEAAACgMgAAVgcAAKr4//8BAAAAf39/AAEAAABkAAAAAAAAABQAAABAHwAAAAAAACYAAAAAAAAAwOD//wAAAAAmAAAAZAAAABYAAABMAAAAAAAAAAAAAAAEAAAAAAAAAAEAAADu7OEKAAAAACgAAAAoAAAAZAAAAGQAAAAAAAAAzMzMAAAAAABQAAAAUAAAAGQAAABkAAAAAAAAAAcAAAA4AAAAAAAAAAAAAAAAAAAA////AAAAAAAAAAAAAAAAAAAAAAAAAAAAAAAAAAAAAABkAAAAZAAAAAAAAAAjAAAABAAAAGQAAAAXAAAAFAAAAAAAAAAAAAAA/38AAP9/AAAAAAAACQAAAAQAAAAAAAAADAAAABAAAAAAAAAAAAAAAAAAAAAAAAAAHgAAAGgAAAAAAAAAAAAAAAAAAAAAAAAAAAAAABAnAAAQJwAAAAAAAAAAAAAAAAAAAAAAAAAAAAAAAAAAAAAAAAAAAAAUAAAAAAAAAMDA/wAAAAAAZAAAADIAAAAAAAAAZAAAAAAAAAB/f38ACgAAAB8AAABUAAAAT4G9Bf///wEAAAAAAAAAAAAAAAAAAAAAAAAAAAAAAAAAAAAAAAAAAAAAAAJ/f38A7uzhA8zMzADAwP8Af39/AAAAAAAAAAAAAAAAAP///wAAAAAAIQAAABgAAAAUAAAAAAAAAAAAAAAAUAAAADwAABAAAAAmAAAACAAAAP//////////"/>
               </a:ext>
             </a:extLst>
           </p:cNvPicPr>
           <p:nvPr/>
         </p:nvPicPr>
         <p:blipFill>
-          <a:blip r:embed="rId1"/>
+          <a:blip r:embed="rId9"/>
           <a:stretch>
             <a:fillRect/>
           </a:stretch>
@@ -3404,7 +3449,7 @@
             <a:spLocks noGrp="1" noChangeArrowheads="1"/>
             <a:extLst>
               <a:ext uri="smNativeData">
-                <pr:smNativeData xmlns:pr="smNativeData" val="SMDATA_13_eIVQYBMAAAAlAAAAZAAAAA0AAAAAAAAAAAAAAAAAAAAAAAAAAAAAAAAAAAAAAAAAAAEAAABQAAAAAAAAAAAA4D8AAAAAAADgPwAAAAAAAOA/AAAAAAAA4D8AAAAAAADgPwAAAAAAAOA/AAAAAAAA4D8AAAAAAADgPwAAAAAAAOA/AAAAAAAA4D8CAAAAjAAAAAAAAAAAAAAA////AP///wgAAAAAAAAAAAAAAAAAAAAAAAAAAAAAAAAAAAAAeAAAAAEAAABAAAAAAAAAAAAAAABaAAAAAAAAAAAAAAAAAAAAAAAAAAAAAAAAAAAAAAAAAAAAAAAAAAAAAAAAAAAAAAAAAAAAAAAAAAAAAAAAAAAAAAAAAAAAAAAAAAAAFAAAADwAAAAAAAAAAAAAAAAAAAAPAAAAAQAAACMAAAAjAAAAIwAAAB4AAAAAAAAAZAAAAGQAAAAAAAAAZAAAAGQAAAAVAAAAYAAAAAAAAAAAAAAADwAAACADAAAAAAAAAAAAAAEAAACgMgAAVgcAAKr4//8BAAAAf39/AAEAAABkAAAAAAAAABQAAABAHwAAAAAAACYAAAAAAAAAwOD//wAAAAAmAAAAZAAAABYAAABMAAAAAAAAAAAAAAAEAAAAAAAAAAEAAADu7OEKAAAAACgAAAAoAAAAZAAAAGQAAAAAAAAAzMzMAAAAAABQAAAAUAAAAGQAAABkAAAAAAAAABcAAAAUAAAAAAAAAAAAAAD/fwAA/38AAAAAAAAJAAAABAAAAGFubmUMAAAAEAAAAAAAAAAAAAAAAAAAAAAAAAAeAAAAaAAAAAAAAAAAAAAAAAAAAAAAAAAAAAAAECcAABAnAAAAAAAAAAAAAAAAAAAAAAAAAAAAAAAAAAAAAAAAAAAAABQAAAAAAAAAwMD/AAAAAABkAAAAMgAAAAAAAABkAAAAAAAAAH9/fwAKAAAAHwAAAFQAAAD///8AAAAAAQAAAAAAAAAAAAAAAAAAAAAAAAAAAAAAAAAAAAAAAAAAAAAAAH9/fwAAAAADzMzMAMDA/wB/f38AAAAAAAAAAAAAAAAAAAAAAAAAAAAhAAAAGAAAABQAAACnBgAAiQsAAFlJAABlDgAAEAAAACYAAAAIAAAAv58AAP//wQE="/>
+                <pr:smNativeData xmlns:pr="smNativeData" xmlns:p14="http://schemas.microsoft.com/office/powerpoint/2010/main" xmlns="" val="SMDATA_13_eIVQYBMAAAAlAAAAZAAAAA0AAAAAAAAAAAAAAAAAAAAAAAAAAAAAAAAAAAAAAAAAAAEAAABQAAAAAAAAAAAA4D8AAAAAAADgPwAAAAAAAOA/AAAAAAAA4D8AAAAAAADgPwAAAAAAAOA/AAAAAAAA4D8AAAAAAADgPwAAAAAAAOA/AAAAAAAA4D8CAAAAjAAAAAAAAAAAAAAA////AP///wgAAAAAAAAAAAAAAAAAAAAAAAAAAAAAAAAAAAAAeAAAAAEAAABAAAAAAAAAAAAAAABaAAAAAAAAAAAAAAAAAAAAAAAAAAAAAAAAAAAAAAAAAAAAAAAAAAAAAAAAAAAAAAAAAAAAAAAAAAAAAAAAAAAAAAAAAAAAAAAAAAAAFAAAADwAAAAAAAAAAAAAAAAAAAAPAAAAAQAAACMAAAAjAAAAIwAAAB4AAAAAAAAAZAAAAGQAAAAAAAAAZAAAAGQAAAAVAAAAYAAAAAAAAAAAAAAADwAAACADAAAAAAAAAAAAAAEAAACgMgAAVgcAAKr4//8BAAAAf39/AAEAAABkAAAAAAAAABQAAABAHwAAAAAAACYAAAAAAAAAwOD//wAAAAAmAAAAZAAAABYAAABMAAAAAAAAAAAAAAAEAAAAAAAAAAEAAADu7OEKAAAAACgAAAAoAAAAZAAAAGQAAAAAAAAAzMzMAAAAAABQAAAAUAAAAGQAAABkAAAAAAAAABcAAAAUAAAAAAAAAAAAAAD/fwAA/38AAAAAAAAJAAAABAAAAGFubmUMAAAAEAAAAAAAAAAAAAAAAAAAAAAAAAAeAAAAaAAAAAAAAAAAAAAAAAAAAAAAAAAAAAAAECcAABAnAAAAAAAAAAAAAAAAAAAAAAAAAAAAAAAAAAAAAAAAAAAAABQAAAAAAAAAwMD/AAAAAABkAAAAMgAAAAAAAABkAAAAAAAAAH9/fwAKAAAAHwAAAFQAAAD///8AAAAAAQAAAAAAAAAAAAAAAAAAAAAAAAAAAAAAAAAAAAAAAAAAAAAAAH9/fwAAAAADzMzMAMDA/wB/f38AAAAAAAAAAAAAAAAAAAAAAAAAAAAhAAAAGAAAABQAAACnBgAAiQsAAFlJAABlDgAAEAAAACYAAAAIAAAAv58AAP//wQE="/>
               </a:ext>
             </a:extLst>
           </p:cNvSpPr>
@@ -3438,7 +3483,7 @@
                 <a:solidFill>
                   <a:schemeClr val="bg1"/>
                 </a:solidFill>
-                <a:latin typeface="DINPro" pitchFamily="0" charset="0"/>
+                <a:latin typeface="DINPro" charset="0"/>
                 <a:ea typeface="Calibri" pitchFamily="2" charset="0"/>
                 <a:cs typeface="Calibri" pitchFamily="2" charset="0"/>
               </a:defRPr>
@@ -3472,6 +3517,7 @@
             <a:pPr>
               <a:defRPr lang="de-de"/>
             </a:pPr>
+            <a:endParaRPr/>
           </a:p>
         </p:txBody>
       </p:sp>
@@ -3482,7 +3528,7 @@
             <a:spLocks noGrp="1" noChangeArrowheads="1"/>
             <a:extLst>
               <a:ext uri="smNativeData">
-                <pr:smNativeData xmlns:pr="smNativeData" val="SMDATA_13_eIVQYBMAAAAlAAAAZAAAAA0AAAAAAAAAAAAAAAAAAAAAAAAAAAAAAAAAAAAAAAAAAAEAAABQAAAAAAAAAAAA4D8AAAAAAADgPwAAAAAAAOA/AAAAAAAA4D8AAAAAAADgPwAAAAAAAOA/AAAAAAAA4D8AAAAAAADgPwAAAAAAAOA/AAAAAAAA4D8CAAAAjAAAAAAAAAAAAAAA////AP///wgAAAAAAAAAAAAAAAAAAAAAAAAAAAAAAAAAAAAAeAAAAAEAAABAAAAAAAAAAAAAAABaAAAAAAAAAAAAAAAAAAAAAAAAAAAAAAAAAAAAAAAAAAAAAAAAAAAAAAAAAAAAAAAAAAAAAAAAAAAAAAAAAAAAAAAAAAAAAAAAAAAAFAAAADwAAAAAAAAAAAAAAAAAAAAPAAAAAQAAACMAAAAjAAAAIwAAAB4AAAAAAAAAZAAAAGQAAAAAAAAAZAAAAGQAAAAVAAAAYAAAAAAAAAAAAAAADwAAACADAAAAAAAAAAAAAAEAAACgMgAAVgcAAKr4//8BAAAAf39/AAEAAABkAAAAAAAAABQAAABAHwAAAAAAACYAAAAAAAAAwOD//wAAAAAmAAAAZAAAABYAAABMAAAAAAAAAAAAAAAEAAAAAAAAAAEAAADu7OEKAAAAACgAAAAoAAAAZAAAAGQAAAAAAAAAzMzMAAAAAABQAAAAUAAAAGQAAABkAAAAAAAAABcAAAAUAAAAAAAAAAAAAAD/fwAA/38AAAAAAAAJAAAABAAAAAAAAAAMAAAAEAAAAAAAAAAAAAAAAAAAAAAAAAAeAAAAaAAAAAAAAAAAAAAAAAAAAAAAAAAAAAAAECcAABAnAAAAAAAAAAAAAAAAAAAAAAAAAAAAAAAAAAAAAAAAAAAAABQAAAAAAAAAwMD/AAAAAABkAAAAMgAAAAAAAABkAAAAAAAAAH9/fwAKAAAAHwAAAFQAAAD///8AAAAAAQAAAAAAAAAAAAAAAAAAAAAAAAAAAAAAAAAAAAAAAAAAAAAAAH9/fwAAAAADzMzMAMDA/wB/f38AAAAAAAAAAAAAAAAAAAAAAAAAAAAhAAAAGAAAABQAAACnBgAARhQAANBIAAA1JQAAEAAAACYAAAAIAAAAv58AAP//wQE="/>
+                <pr:smNativeData xmlns:pr="smNativeData" xmlns:p14="http://schemas.microsoft.com/office/powerpoint/2010/main" xmlns="" val="SMDATA_13_eIVQYBMAAAAlAAAAZAAAAA0AAAAAAAAAAAAAAAAAAAAAAAAAAAAAAAAAAAAAAAAAAAEAAABQAAAAAAAAAAAA4D8AAAAAAADgPwAAAAAAAOA/AAAAAAAA4D8AAAAAAADgPwAAAAAAAOA/AAAAAAAA4D8AAAAAAADgPwAAAAAAAOA/AAAAAAAA4D8CAAAAjAAAAAAAAAAAAAAA////AP///wgAAAAAAAAAAAAAAAAAAAAAAAAAAAAAAAAAAAAAeAAAAAEAAABAAAAAAAAAAAAAAABaAAAAAAAAAAAAAAAAAAAAAAAAAAAAAAAAAAAAAAAAAAAAAAAAAAAAAAAAAAAAAAAAAAAAAAAAAAAAAAAAAAAAAAAAAAAAAAAAAAAAFAAAADwAAAAAAAAAAAAAAAAAAAAPAAAAAQAAACMAAAAjAAAAIwAAAB4AAAAAAAAAZAAAAGQAAAAAAAAAZAAAAGQAAAAVAAAAYAAAAAAAAAAAAAAADwAAACADAAAAAAAAAAAAAAEAAACgMgAAVgcAAKr4//8BAAAAf39/AAEAAABkAAAAAAAAABQAAABAHwAAAAAAACYAAAAAAAAAwOD//wAAAAAmAAAAZAAAABYAAABMAAAAAAAAAAAAAAAEAAAAAAAAAAEAAADu7OEKAAAAACgAAAAoAAAAZAAAAGQAAAAAAAAAzMzMAAAAAABQAAAAUAAAAGQAAABkAAAAAAAAABcAAAAUAAAAAAAAAAAAAAD/fwAA/38AAAAAAAAJAAAABAAAAAAAAAAMAAAAEAAAAAAAAAAAAAAAAAAAAAAAAAAeAAAAaAAAAAAAAAAAAAAAAAAAAAAAAAAAAAAAECcAABAnAAAAAAAAAAAAAAAAAAAAAAAAAAAAAAAAAAAAAAAAAAAAABQAAAAAAAAAwMD/AAAAAABkAAAAMgAAAAAAAABkAAAAAAAAAH9/fwAKAAAAHwAAAFQAAAD///8AAAAAAQAAAAAAAAAAAAAAAAAAAAAAAAAAAAAAAAAAAAAAAAAAAAAAAH9/fwAAAAADzMzMAMDA/wB/f38AAAAAAAAAAAAAAAAAAAAAAAAAAAAhAAAAGAAAABQAAACnBgAARhQAANBIAAA1JQAAEAAAACYAAAAIAAAAv58AAP//wQE="/>
               </a:ext>
             </a:extLst>
           </p:cNvSpPr>
@@ -3516,7 +3562,7 @@
                 <a:solidFill>
                   <a:srgbClr val="575756"/>
                 </a:solidFill>
-                <a:latin typeface="DINPro" pitchFamily="0" charset="0"/>
+                <a:latin typeface="DINPro" charset="0"/>
                 <a:ea typeface="Calibri" pitchFamily="2" charset="0"/>
                 <a:cs typeface="Calibri" pitchFamily="2" charset="0"/>
               </a:defRPr>
@@ -3550,6 +3596,7 @@
             <a:pPr>
               <a:defRPr lang="de-de"/>
             </a:pPr>
+            <a:endParaRPr/>
           </a:p>
         </p:txBody>
       </p:sp>
@@ -3560,7 +3607,7 @@
             <a:spLocks noGrp="1" noChangeArrowheads="1"/>
             <a:extLst>
               <a:ext uri="smNativeData">
-                <pr:smNativeData xmlns:pr="smNativeData" val="SMDATA_13_eIVQYBMAAAAlAAAAZAAAAA0AAAAAAAAAAAAAAAAAAAAAAAAAAAAAAAAAAAAAAAAAAAEAAABQAAAAAAAAAAAA4D8AAAAAAADgPwAAAAAAAOA/AAAAAAAA4D8AAAAAAADgPwAAAAAAAOA/AAAAAAAA4D8AAAAAAADgPwAAAAAAAOA/AAAAAAAA4D8CAAAAjAAAAAAAAAAAAAAA////AP///wgAAAAAAAAAAAAAAAAAAAAAAAAAAAAAAAAAAAAAeAAAAAEAAABAAAAAAAAAAAAAAABaAAAAAAAAAAAAAAAAAAAAAAAAAAAAAAAAAAAAAAAAAAAAAAAAAAAAAAAAAAAAAAAAAAAAAAAAAAAAAAAAAAAAAAAAAAAAAAAAAAAAFAAAADwAAAAAAAAAAAAAAAAAAAAPAAAAAQAAACMAAAAjAAAAIwAAAB4AAAAAAAAAZAAAAGQAAAAAAAAAZAAAAGQAAAAVAAAAYAAAAAAAAAAAAAAADwAAACADAAAAAAAAAAAAAAEAAACgMgAAVgcAAKr4//8BAAAAf39/AAEAAABkAAAAAAAAABQAAABAHwAAAAAAACYAAAAAAAAAwOD//wAAAAAmAAAAZAAAABYAAABMAAAAAAAAAAAAAAAEAAAAAAAAAAEAAADu7OEKAAAAACgAAAAoAAAAZAAAAGQAAAAAAAAAzMzMAAAAAABQAAAAUAAAAGQAAABkAAAAAAAAABcAAAAUAAAAAAAAAAAAAAD/fwAA/38AAAAAAAAJAAAABAAAAAAAAAAMAAAAEAAAAAAAAAAAAAAAAAAAAAAAAAAeAAAAaAAAAAAAAAAAAAAAAAAAAAAAAAAAAAAAECcAABAnAAAAAAAAAAAAAAAAAAAAAAAAAAAAAAAAAAAAAAAAAAAAABQAAAAAAAAAwMD/AAAAAABkAAAAMgAAAAAAAABkAAAAAAAAAH9/fwAKAAAAHwAAAFQAAAD///8AAAAAAQAAAAAAAAAAAAAAAAAAAAAAAAAAAAAAAAAAAAAAAAAAAAAAAH9/fwAAAAADzMzMAMDA/wB/f38AAAAAAAAAAAAAAAAAAAAAAAAAAAAhAAAAGAAAABQAAADQSAAAGDkAABZOAACYOgAAEAAAACYAAAAIAAAAv58AAP//wQE="/>
+                <pr:smNativeData xmlns:pr="smNativeData" xmlns:p14="http://schemas.microsoft.com/office/powerpoint/2010/main" xmlns="" val="SMDATA_13_eIVQYBMAAAAlAAAAZAAAAA0AAAAAAAAAAAAAAAAAAAAAAAAAAAAAAAAAAAAAAAAAAAEAAABQAAAAAAAAAAAA4D8AAAAAAADgPwAAAAAAAOA/AAAAAAAA4D8AAAAAAADgPwAAAAAAAOA/AAAAAAAA4D8AAAAAAADgPwAAAAAAAOA/AAAAAAAA4D8CAAAAjAAAAAAAAAAAAAAA////AP///wgAAAAAAAAAAAAAAAAAAAAAAAAAAAAAAAAAAAAAeAAAAAEAAABAAAAAAAAAAAAAAABaAAAAAAAAAAAAAAAAAAAAAAAAAAAAAAAAAAAAAAAAAAAAAAAAAAAAAAAAAAAAAAAAAAAAAAAAAAAAAAAAAAAAAAAAAAAAAAAAAAAAFAAAADwAAAAAAAAAAAAAAAAAAAAPAAAAAQAAACMAAAAjAAAAIwAAAB4AAAAAAAAAZAAAAGQAAAAAAAAAZAAAAGQAAAAVAAAAYAAAAAAAAAAAAAAADwAAACADAAAAAAAAAAAAAAEAAACgMgAAVgcAAKr4//8BAAAAf39/AAEAAABkAAAAAAAAABQAAABAHwAAAAAAACYAAAAAAAAAwOD//wAAAAAmAAAAZAAAABYAAABMAAAAAAAAAAAAAAAEAAAAAAAAAAEAAADu7OEKAAAAACgAAAAoAAAAZAAAAGQAAAAAAAAAzMzMAAAAAABQAAAAUAAAAGQAAABkAAAAAAAAABcAAAAUAAAAAAAAAAAAAAD/fwAA/38AAAAAAAAJAAAABAAAAAAAAAAMAAAAEAAAAAAAAAAAAAAAAAAAAAAAAAAeAAAAaAAAAAAAAAAAAAAAAAAAAAAAAAAAAAAAECcAABAnAAAAAAAAAAAAAAAAAAAAAAAAAAAAAAAAAAAAAAAAAAAAABQAAAAAAAAAwMD/AAAAAABkAAAAMgAAAAAAAABkAAAAAAAAAH9/fwAKAAAAHwAAAFQAAAD///8AAAAAAQAAAAAAAAAAAAAAAAAAAAAAAAAAAAAAAAAAAAAAAAAAAAAAAH9/fwAAAAADzMzMAMDA/wB/f38AAAAAAAAAAAAAAAAAAAAAAAAAAAAhAAAAGAAAABQAAADQSAAAGDkAABZOAACYOgAAEAAAACYAAAAIAAAAv58AAP//wQE="/>
               </a:ext>
             </a:extLst>
           </p:cNvSpPr>
@@ -3626,8 +3673,9 @@
               <a:defRPr lang="de-de"/>
             </a:pPr>
             <a:fld id="{304E1184-CADD-1BE7-93F6-3CB25FB86569}" type="slidenum">
-              <a:t>3</a:t>
+              <a:t>‹#›</a:t>
             </a:fld>
+            <a:endParaRPr/>
           </a:p>
         </p:txBody>
       </p:sp>
@@ -3638,7 +3686,7 @@
             <a:spLocks noGrp="1" noChangeArrowheads="1"/>
             <a:extLst>
               <a:ext uri="smNativeData">
-                <pr:smNativeData xmlns:pr="smNativeData" val="SMDATA_13_eIVQYBMAAAAlAAAAZAAAAA0AAAAAAAAAAAAAAAAAAAAAAAAAAAAAAAAAAAAAAAAAAAEAAABQAAAAAAAAAAAA4D8AAAAAAADgPwAAAAAAAOA/AAAAAAAA4D8AAAAAAADgPwAAAAAAAOA/AAAAAAAA4D8AAAAAAADgPwAAAAAAAOA/AAAAAAAA4D8CAAAAjAAAAAAAAAAAAAAA////AP///wgAAAAAAAAAAAAAAAAAAAAAAAAAAAAAAAAAAAAAeAAAAAEAAABAAAAAAAAAAAAAAABaAAAAAAAAAAAAAAAAAAAAAAAAAAAAAAAAAAAAAAAAAAAAAAAAAAAAAAAAAAAAAAAAAAAAAAAAAAAAAAAAAAAAAAAAAAAAAAAAAAAAFAAAADwAAAAAAAAAAAAAAAAAAAAPAAAAAQAAACMAAAAjAAAAIwAAAB4AAAAAAAAAZAAAAGQAAAAAAAAAZAAAAGQAAAAVAAAAYAAAAAAAAAAAAAAADwAAACADAAAAAAAAAAAAAAEAAACgMgAAVgcAAKr4//8BAAAAf39/AAEAAABkAAAAAAAAABQAAABAHwAAAAAAACYAAAAAAAAAwOD//wAAAAAmAAAAZAAAABYAAABMAAAAAAAAAAAAAAAEAAAAAAAAAAEAAADu7OEKAAAAACgAAAAoAAAAZAAAAGQAAAAAAAAAzMzMAAAAAABQAAAAUAAAAGQAAABkAAAAAAAAABcAAAAUAAAAAAAAAAAAAAD/fwAA/38AAAAAAAAJAAAABAAAAAAAAAAMAAAAEAAAAAAAAAAAAAAAAAAAAAAAAAAeAAAAaAAAAAAAAAAAAAAAAAAAAAAAAAAAAAAAECcAABAnAAAAAAAAAAAAAAAAAAAAAAAAAAAAAAAAAAAAAAAAAAAAABQAAAAAAAAAwMD/AAAAAABkAAAAMgAAAAAAAABkAAAAAAAAAH9/fwAKAAAAHwAAAFQAAAD///8AAAAAAQAAAAAAAAAAAAAAAAAAAAAAAAAAAAAAAAAAAAAAAAAAAAAAAH9/fwAAAAADzMzMAMDA/wB/f38AAAAAAAAAAAAAAAAAAAAAAAAAAAAhAAAAGAAAABQAAADqAQAA4DgAAPAKAACYOgAAEAAAACYAAAAIAAAAv58AAP//wQE="/>
+                <pr:smNativeData xmlns:pr="smNativeData" xmlns:p14="http://schemas.microsoft.com/office/powerpoint/2010/main" xmlns="" val="SMDATA_13_eIVQYBMAAAAlAAAAZAAAAA0AAAAAAAAAAAAAAAAAAAAAAAAAAAAAAAAAAAAAAAAAAAEAAABQAAAAAAAAAAAA4D8AAAAAAADgPwAAAAAAAOA/AAAAAAAA4D8AAAAAAADgPwAAAAAAAOA/AAAAAAAA4D8AAAAAAADgPwAAAAAAAOA/AAAAAAAA4D8CAAAAjAAAAAAAAAAAAAAA////AP///wgAAAAAAAAAAAAAAAAAAAAAAAAAAAAAAAAAAAAAeAAAAAEAAABAAAAAAAAAAAAAAABaAAAAAAAAAAAAAAAAAAAAAAAAAAAAAAAAAAAAAAAAAAAAAAAAAAAAAAAAAAAAAAAAAAAAAAAAAAAAAAAAAAAAAAAAAAAAAAAAAAAAFAAAADwAAAAAAAAAAAAAAAAAAAAPAAAAAQAAACMAAAAjAAAAIwAAAB4AAAAAAAAAZAAAAGQAAAAAAAAAZAAAAGQAAAAVAAAAYAAAAAAAAAAAAAAADwAAACADAAAAAAAAAAAAAAEAAACgMgAAVgcAAKr4//8BAAAAf39/AAEAAABkAAAAAAAAABQAAABAHwAAAAAAACYAAAAAAAAAwOD//wAAAAAmAAAAZAAAABYAAABMAAAAAAAAAAAAAAAEAAAAAAAAAAEAAADu7OEKAAAAACgAAAAoAAAAZAAAAGQAAAAAAAAAzMzMAAAAAABQAAAAUAAAAGQAAABkAAAAAAAAABcAAAAUAAAAAAAAAAAAAAD/fwAA/38AAAAAAAAJAAAABAAAAAAAAAAMAAAAEAAAAAAAAAAAAAAAAAAAAAAAAAAeAAAAaAAAAAAAAAAAAAAAAAAAAAAAAAAAAAAAECcAABAnAAAAAAAAAAAAAAAAAAAAAAAAAAAAAAAAAAAAAAAAAAAAABQAAAAAAAAAwMD/AAAAAABkAAAAMgAAAAAAAABkAAAAAAAAAH9/fwAKAAAAHwAAAFQAAAD///8AAAAAAQAAAAAAAAAAAAAAAAAAAAAAAAAAAAAAAAAAAAAAAAAAAAAAAH9/fwAAAAADzMzMAMDA/wB/f38AAAAAAAAAAAAAAAAAAAAAAAAAAAAhAAAAGAAAABQAAADqAQAA4DgAAPAKAACYOgAAEAAAACYAAAAIAAAAv58AAP//wQE="/>
               </a:ext>
             </a:extLst>
           </p:cNvSpPr>
@@ -3715,7 +3763,7 @@
           <p:cNvSpPr>
             <a:extLst>
               <a:ext uri="smNativeData">
-                <pr:smNativeData xmlns:pr="smNativeData" val="SMDATA_13_eIVQYBMAAAAlAAAAZAAAAA0AAAAAkAAAAEgAAACQAAAASAAAAAAAAAAAAAAAAAAAAAEAAABQAAAAAAAAAAAA4D8AAAAAAADgPwAAAAAAAOA/AAAAAAAA4D8AAAAAAADgPwAAAAAAAOA/AAAAAAAA4D8AAAAAAADgPwAAAAAAAOA/AAAAAAAA4D8CAAAAjAAAAAAAAAAAAAAAT4G9DP///wgAAAAAAAAAAAAAAAAAAAAAAAAAAAAAAAAAAAAAZAAAAAEAAABAAAAAAAAAAAAAAAAAAAAAAAAAAAAAAAAAAAAAAAAAAAAAAAAAAAAAAAAAAAAAAAAAAAAAAAAAAAAAAAAAAAAAAAAAAAAAAAAAAAAAAAAAAAAAAAAAAAAAFAAAADwAAAAAAAAAAAAAAAAAAAkUAAAAAQAAABQAAAAUAAAAFAAAAAEAAAAAAAAAZAAAAGQAAAAAAAAAZAAAAGQAAAAVAAAAYAAAAAAAAAAAAAAADwAAACADAAAAAAAAAAAAAAEAAACgMgAAVgcAAKr4//8BAAAAf39/AAEAAABkAAAAAAAAABQAAABAHwAAAAAAACYAAAAAAAAAwOD//wAAAAAmAAAAZAAAABYAAABMAAAAAAAAAAAAAAAEAAAAAAAAAAEAAADu7OEKAAAAACgAAAAoAAAAZAAAAGQAAAAAAAAAzMzMAAAAAABQAAAAUAAAAGQAAABkAAAAAAAAABcAAAAUAAAAAAAAAAAAAAD/fwAA/38AAAAAAAAJAAAABAAAAAAAAAAMAAAAEAAAAAAAAAAAAAAAAAAAAAAAAAAeAAAAaAAAAAAAAAAAAAAAAAAAAAAAAAAAAAAAECcAABAnAAAAAAAAAAAAAAAAAAAAAAAAAAAAAAAAAAAAAAAAAAAAABQAAAAAAAAAwMD/AAAAAABkAAAAMgAAAAAAAABkAAAAAAAAAH9/fwAKAAAAHwAAAFQAAABPgb0F////AQAAAAAAAAAAAAAAAAAAAAAAAAAAAAAAAAAAAAAAAAAAAAAAAn9/fwDu7OEDzMzMAMDA/wB/f38AAAAAAAAAAAAAAAAAAAAAAAAAAAAhAAAAGAAAABQAAAAwNAAAPgMAAAhNAADyBAAAEAAAACYAAAAIAAAA//////////8="/>
+                <pr:smNativeData xmlns:pr="smNativeData" xmlns:p14="http://schemas.microsoft.com/office/powerpoint/2010/main" xmlns="" val="SMDATA_13_eIVQYBMAAAAlAAAAZAAAAA0AAAAAkAAAAEgAAACQAAAASAAAAAAAAAAAAAAAAAAAAAEAAABQAAAAAAAAAAAA4D8AAAAAAADgPwAAAAAAAOA/AAAAAAAA4D8AAAAAAADgPwAAAAAAAOA/AAAAAAAA4D8AAAAAAADgPwAAAAAAAOA/AAAAAAAA4D8CAAAAjAAAAAAAAAAAAAAAT4G9DP///wgAAAAAAAAAAAAAAAAAAAAAAAAAAAAAAAAAAAAAZAAAAAEAAABAAAAAAAAAAAAAAAAAAAAAAAAAAAAAAAAAAAAAAAAAAAAAAAAAAAAAAAAAAAAAAAAAAAAAAAAAAAAAAAAAAAAAAAAAAAAAAAAAAAAAAAAAAAAAAAAAAAAAFAAAADwAAAAAAAAAAAAAAAAAAAkUAAAAAQAAABQAAAAUAAAAFAAAAAEAAAAAAAAAZAAAAGQAAAAAAAAAZAAAAGQAAAAVAAAAYAAAAAAAAAAAAAAADwAAACADAAAAAAAAAAAAAAEAAACgMgAAVgcAAKr4//8BAAAAf39/AAEAAABkAAAAAAAAABQAAABAHwAAAAAAACYAAAAAAAAAwOD//wAAAAAmAAAAZAAAABYAAABMAAAAAAAAAAAAAAAEAAAAAAAAAAEAAADu7OEKAAAAACgAAAAoAAAAZAAAAGQAAAAAAAAAzMzMAAAAAABQAAAAUAAAAGQAAABkAAAAAAAAABcAAAAUAAAAAAAAAAAAAAD/fwAA/38AAAAAAAAJAAAABAAAAAAAAAAMAAAAEAAAAAAAAAAAAAAAAAAAAAAAAAAeAAAAaAAAAAAAAAAAAAAAAAAAAAAAAAAAAAAAECcAABAnAAAAAAAAAAAAAAAAAAAAAAAAAAAAAAAAAAAAAAAAAAAAABQAAAAAAAAAwMD/AAAAAABkAAAAMgAAAAAAAABkAAAAAAAAAH9/fwAKAAAAHwAAAFQAAABPgb0F////AQAAAAAAAAAAAAAAAAAAAAAAAAAAAAAAAAAAAAAAAAAAAAAAAn9/fwDu7OEDzMzMAMDA/wB/f38AAAAAAAAAAAAAAAAAAAAAAAAAAAAhAAAAGAAAABQAAAAwNAAAPgMAAAhNAADyBAAAEAAAACYAAAAIAAAA//////////8="/>
               </a:ext>
             </a:extLst>
           </p:cNvSpPr>
@@ -3822,7 +3870,7 @@
           <p:cNvSpPr>
             <a:extLst>
               <a:ext uri="smNativeData">
-                <pr:smNativeData xmlns:pr="smNativeData" val="SMDATA_13_eIVQYBMAAAAlAAAAZAAAAA0AAAAAAAAAAAAAAAAAAAAAAAAAAAAAAAAAAAAAAAAAAAEAAABQAAAAAAAAAAAA4D8AAAAAAADgPwAAAAAAAOA/AAAAAAAA4D8AAAAAAADgPwAAAAAAAOA/AAAAAAAA4D8AAAAAAADgPwAAAAAAAOA/AAAAAAAA4D8CAAAAjAAAAAAAAAAAAAAAT4G9DP///wgAAAAAAAAAAAAAAAAAAAAAAAAAAAAAAAAAAAAAZAAAAAEAAABAAAAAAAAAAAAAAAAAAAAAAAAAAAAAAAAAAAAAAAAAAAAAAAAAAAAAAAAAAAAAAAAAAAAAAAAAAAAAAAAAAAAAAAAAAAAAAAAAAAAAAAAAAAAAAAAAAAAAFAAAADwAAAAAAAAAAAAAAAAAAAkUAAAAAQAAABQAAAAUAAAAFAAAAAEAAAAAAAAAZAAAAGQAAAAAAAAAZAAAAGQAAAAVAAAAYAAAAAAAAAAAAAAADwAAACADAAAAAAAAAAAAAAEAAACgMgAAVgcAAKr4//8BAAAAf39/AAEAAABkAAAAAAAAABQAAABAHwAAAAAAACYAAAAAAAAAwOD//wAAAAAmAAAAZAAAABYAAABMAAAAAAAAAAAAAAAEAAAAAAAAAAEAAADu7OEKAAAAACgAAAAoAAAAZAAAAGQAAAAAAAAAzMzMAAAAAABQAAAAUAAAAGQAAABkAAAAAAAAABcAAAAUAAAAAAAAAAAAAAD/fwAA/38AAAAAAAAJAAAABAAAAAAAAAAMAAAAEAAAAAAAAAAAAAAAAAAAAAAAAAAeAAAAaAAAAAAAAAAAAAAAAAAAAAAAAAAAAAAAECcAABAnAAAAAAAAAAAAAAAAAAAAAAAAAAAAAAAAAAAAAAAAAAAAABQAAAAAAAAAwMD/AAAAAABkAAAAMgAAAAAAAABkAAAAAAAAAH9/fwAKAAAAHwAAAFQAAABPgb0F////AQAAAAAAAAAAAAAAAAAAAAAAAAAAAAAAAAAAAAAAAAAAAAAAAn9/fwDu7OEDzMzMAMDA/wB/f38AAAAAAAAAAAAAAAAAAAAAAAAAAAAhAAAAGAAAABQAAAA+DQAA5TgAACBEAACYOgAAEAAAACYAAAAIAAAA//////////8="/>
+                <pr:smNativeData xmlns:pr="smNativeData" xmlns:p14="http://schemas.microsoft.com/office/powerpoint/2010/main" xmlns="" val="SMDATA_13_eIVQYBMAAAAlAAAAZAAAAA0AAAAAAAAAAAAAAAAAAAAAAAAAAAAAAAAAAAAAAAAAAAEAAABQAAAAAAAAAAAA4D8AAAAAAADgPwAAAAAAAOA/AAAAAAAA4D8AAAAAAADgPwAAAAAAAOA/AAAAAAAA4D8AAAAAAADgPwAAAAAAAOA/AAAAAAAA4D8CAAAAjAAAAAAAAAAAAAAAT4G9DP///wgAAAAAAAAAAAAAAAAAAAAAAAAAAAAAAAAAAAAAZAAAAAEAAABAAAAAAAAAAAAAAAAAAAAAAAAAAAAAAAAAAAAAAAAAAAAAAAAAAAAAAAAAAAAAAAAAAAAAAAAAAAAAAAAAAAAAAAAAAAAAAAAAAAAAAAAAAAAAAAAAAAAAFAAAADwAAAAAAAAAAAAAAAAAAAkUAAAAAQAAABQAAAAUAAAAFAAAAAEAAAAAAAAAZAAAAGQAAAAAAAAAZAAAAGQAAAAVAAAAYAAAAAAAAAAAAAAADwAAACADAAAAAAAAAAAAAAEAAACgMgAAVgcAAKr4//8BAAAAf39/AAEAAABkAAAAAAAAABQAAABAHwAAAAAAACYAAAAAAAAAwOD//wAAAAAmAAAAZAAAABYAAABMAAAAAAAAAAAAAAAEAAAAAAAAAAEAAADu7OEKAAAAACgAAAAoAAAAZAAAAGQAAAAAAAAAzMzMAAAAAABQAAAAUAAAAGQAAABkAAAAAAAAABcAAAAUAAAAAAAAAAAAAAD/fwAA/38AAAAAAAAJAAAABAAAAAAAAAAMAAAAEAAAAAAAAAAAAAAAAAAAAAAAAAAeAAAAaAAAAAAAAAAAAAAAAAAAAAAAAAAAAAAAECcAABAnAAAAAAAAAAAAAAAAAAAAAAAAAAAAAAAAAAAAAAAAAAAAABQAAAAAAAAAwMD/AAAAAABkAAAAMgAAAAAAAABkAAAAAAAAAH9/fwAKAAAAHwAAAFQAAABPgb0F////AQAAAAAAAAAAAAAAAAAAAAAAAAAAAAAAAAAAAAAAAAAAAAAAAn9/fwDu7OEDzMzMAMDA/wB/f38AAAAAAAAAAAAAAAAAAAAAAAAAAAAhAAAAGAAAABQAAAA+DQAA5TgAACBEAACYOgAAEAAAACYAAAAIAAAA//////////8="/>
               </a:ext>
             </a:extLst>
           </p:cNvSpPr>
@@ -3863,13 +3911,13 @@
   </p:cSld>
   <p:clrMap bg1="lt1" tx1="dk1" bg2="lt2" tx2="dk2" accent1="accent1" accent2="accent2" accent3="accent3" accent4="accent4" accent5="accent5" accent6="accent6" hlink="hlink" folHlink="folHlink"/>
   <p:sldLayoutIdLst>
-    <p:sldLayoutId id="2147483661" r:id="rId2"/>
-    <p:sldLayoutId id="2147483662" r:id="rId3"/>
-    <p:sldLayoutId id="2147483666" r:id="rId4"/>
-    <p:sldLayoutId id="2147483668" r:id="rId5"/>
-    <p:sldLayoutId id="2147483664" r:id="rId6"/>
-    <p:sldLayoutId id="2147483667" r:id="rId7"/>
-    <p:sldLayoutId id="2147483665" r:id="rId8"/>
+    <p:sldLayoutId id="2147483661" r:id="rId1"/>
+    <p:sldLayoutId id="2147483662" r:id="rId2"/>
+    <p:sldLayoutId id="2147483666" r:id="rId3"/>
+    <p:sldLayoutId id="2147483668" r:id="rId4"/>
+    <p:sldLayoutId id="2147483664" r:id="rId5"/>
+    <p:sldLayoutId id="2147483667" r:id="rId6"/>
+    <p:sldLayoutId id="2147483665" r:id="rId7"/>
   </p:sldLayoutIdLst>
   <p:hf hdr="0"/>
   <p:txStyles>
@@ -4478,7 +4526,7 @@
 </file>
 
 <file path=ppt/slides/slide1.xml><?xml version="1.0" encoding="utf-8"?>
-<p:sld xmlns:p="http://schemas.openxmlformats.org/presentationml/2006/main" xmlns:p14="http://schemas.microsoft.com/office/powerpoint/2010/main" xmlns:r="http://schemas.openxmlformats.org/officeDocument/2006/relationships" xmlns:a="http://schemas.openxmlformats.org/drawingml/2006/main">
+<p:sld xmlns:a="http://schemas.openxmlformats.org/drawingml/2006/main" xmlns:r="http://schemas.openxmlformats.org/officeDocument/2006/relationships" xmlns:p="http://schemas.openxmlformats.org/presentationml/2006/main">
   <p:cSld>
     <p:spTree>
       <p:nvGrpSpPr>
@@ -4501,7 +4549,7 @@
             <a:spLocks noGrp="1" noChangeArrowheads="1"/>
             <a:extLst>
               <a:ext uri="smNativeData">
-                <pr:smNativeData xmlns:pr="smNativeData" val="SMDATA_13_eIVQYBMAAAAlAAAAZAAAAA0AAAAAAAAAAAAAAAAAAAAAAAAAAAAAAAAAAAAAAAAAAAEAAABQAAAAAAAAAAAA4D8AAAAAAADgPwAAAAAAAOA/AAAAAAAA4D8AAAAAAADgPwAAAAAAAOA/AAAAAAAA4D8AAAAAAADgPwAAAAAAAOA/AAAAAAAA4D8CAAAAjAAAAAAAAAAAAAAA////AP///wgAAAAAAAAAAAAAAAAAAAAAAAAAAAAAAAAAAAAAeAAAAAEAAABAAAAAAAAAAAAAAABaAAAAAAAAAAAAAAAAAAAAAAAAAAAAAAAAAAAAAAAAAAAAAAAAAAAAAAAAAAAAAAAAAAAAAAAAAAAAAAAAAAAAAAAAAAAAAAAAAAAAFAAAADwAAAAAAAAAAAAAAAAAAAAPAAAAAQAAACMAAAAjAAAAIwAAAB4AAAAAAAAAZAAAAGQAAAAAAAAAZAAAAGQAAAAVAAAAYAAAAAAAAAAAAAAADwAAACADAAAAAAAAAAAAAAEAAACgMgAAVgcAAKr4//8BAAAAf39/AAEAAABkAAAAAAAAABQAAABAHwAAAAAAACYAAAAAAAAAwOD//wAAAAAmAAAAZAAAABYAAABMAAAAAAAAAAAAAAAEAAAAAAAAAAEAAADu7OEKAAAAACgAAAAoAAAAZAAAAGQAAAAAAAAAzMzMAAAAAABQAAAAUAAAAGQAAABkAAAAAAAAABcAAAAUAAAAAAAAAAAAAAD/fwAA/38AAAAAAAAJAAAABAAAAAAAAAAMAAAAEAAAAAAAAAAAAAAAAAAAAAAAAAAeAAAAaAAAAAAAAAAAAAAAAAAAAAAAAAAAAAAAECcAABAnAAAAAAAAAAAAAAAAAAAAAAAAAAAAAAAAAAAAAAAAAAAAABQAAAAAAAAAwMD/AAAAAABkAAAAMgAAAAAAAABkAAAAAAAAAH9/fwAKAAAAHwAAAFQAAAD///8A////AQAAAAAAAAAAAAAAAAAAAAAAAAAAAAAAAAAAAAAAAAAAAAAAAH9/fwDu7OEDzMzMAMDA/wB/f38AAAAAAAAAAAAAAAAAAAAAAAAAAAAhAAAAGAAAABQAAACSBQAAmBwAAERIAADYJwAAEAAAACYAAAAIAAAAAQAAAAAAAAA="/>
+                <pr:smNativeData xmlns:pr="smNativeData" xmlns:p14="http://schemas.microsoft.com/office/powerpoint/2010/main" xmlns="" val="SMDATA_13_eIVQYBMAAAAlAAAAZAAAAA0AAAAAAAAAAAAAAAAAAAAAAAAAAAAAAAAAAAAAAAAAAAEAAABQAAAAAAAAAAAA4D8AAAAAAADgPwAAAAAAAOA/AAAAAAAA4D8AAAAAAADgPwAAAAAAAOA/AAAAAAAA4D8AAAAAAADgPwAAAAAAAOA/AAAAAAAA4D8CAAAAjAAAAAAAAAAAAAAA////AP///wgAAAAAAAAAAAAAAAAAAAAAAAAAAAAAAAAAAAAAeAAAAAEAAABAAAAAAAAAAAAAAABaAAAAAAAAAAAAAAAAAAAAAAAAAAAAAAAAAAAAAAAAAAAAAAAAAAAAAAAAAAAAAAAAAAAAAAAAAAAAAAAAAAAAAAAAAAAAAAAAAAAAFAAAADwAAAAAAAAAAAAAAAAAAAAPAAAAAQAAACMAAAAjAAAAIwAAAB4AAAAAAAAAZAAAAGQAAAAAAAAAZAAAAGQAAAAVAAAAYAAAAAAAAAAAAAAADwAAACADAAAAAAAAAAAAAAEAAACgMgAAVgcAAKr4//8BAAAAf39/AAEAAABkAAAAAAAAABQAAABAHwAAAAAAACYAAAAAAAAAwOD//wAAAAAmAAAAZAAAABYAAABMAAAAAAAAAAAAAAAEAAAAAAAAAAEAAADu7OEKAAAAACgAAAAoAAAAZAAAAGQAAAAAAAAAzMzMAAAAAABQAAAAUAAAAGQAAABkAAAAAAAAABcAAAAUAAAAAAAAAAAAAAD/fwAA/38AAAAAAAAJAAAABAAAAAAAAAAMAAAAEAAAAAAAAAAAAAAAAAAAAAAAAAAeAAAAaAAAAAAAAAAAAAAAAAAAAAAAAAAAAAAAECcAABAnAAAAAAAAAAAAAAAAAAAAAAAAAAAAAAAAAAAAAAAAAAAAABQAAAAAAAAAwMD/AAAAAABkAAAAMgAAAAAAAABkAAAAAAAAAH9/fwAKAAAAHwAAAFQAAAD///8A////AQAAAAAAAAAAAAAAAAAAAAAAAAAAAAAAAAAAAAAAAAAAAAAAAH9/fwDu7OEDzMzMAMDA/wB/f38AAAAAAAAAAAAAAAAAAAAAAAAAAAAhAAAAGAAAABQAAACSBQAAmBwAAERIAADYJwAAEAAAACYAAAAIAAAAAQAAAAAAAAA="/>
               </a:ext>
             </a:extLst>
           </p:cNvSpPr>
@@ -4535,7 +4583,7 @@
             <a:spLocks noGrp="1" noChangeArrowheads="1"/>
             <a:extLst>
               <a:ext uri="smNativeData">
-                <pr:smNativeData xmlns:pr="smNativeData" val="SMDATA_13_eIVQYBMAAAAlAAAAZAAAAA0AAAAAAAAAAAAAAAAAAAAAAAAAAAAAAAAAAAAAAAAAAAEAAABQAAAAAAAAAAAA4D8AAAAAAADgPwAAAAAAAOA/AAAAAAAA4D8AAAAAAADgPwAAAAAAAOA/AAAAAAAA4D8AAAAAAADgPwAAAAAAAOA/AAAAAAAA4D8CAAAAjAAAAAAAAAAAAAAA////AP///wgAAAAAAAAAAAAAAAAAAAAAAAAAAAAAAAAAAAAAeAAAAAEAAABAAAAAAAAAAAAAAABaAAAAAAAAAAAAAAAAAAAAAAAAAAAAAAAAAAAAAAAAAAAAAAAAAAAAAAAAAAAAAAAAAAAAAAAAAAAAAAAAAAAAAAAAAAAAAAAAAAAAFAAAADwAAAAAAAAAAAAAAAAAAAAPAAAAAQAAACMAAAAjAAAAIwAAAB4AAAAAAAAAZAAAAGQAAAAAAAAAZAAAAGQAAAAVAAAAYAAAAAAAAAAAAAAADwAAACADAAAAAAAAAAAAAAEAAACgMgAAVgcAAKr4//8BAAAAf39/AAEAAABkAAAAAAAAABQAAABAHwAAAAAAACYAAAAAAAAAwOD//wAAAAAmAAAAZAAAABYAAABMAAAAAAAAAAAAAAAEAAAAAAAAAAEAAADu7OEKAAAAACgAAAAoAAAAZAAAAGQAAAAAAAAAzMzMAAAAAABQAAAAUAAAAGQAAABkAAAAAAAAABcAAAAUAAAAAAAAAAAAAAD/fwAA/38AAAAAAAAJAAAABAAAAAAAAAAMAAAAEAAAAAAAAAAAAAAAAAAAAAAAAAAeAAAAaAAAAAAAAAAAAAAAAAAAAAAAAAAAAAAAECcAABAnAAAAAAAAAAAAAAAAAAAAAAAAAAAAAAAAAAAAAAAAAAAAABQAAAAAAAAAwMD/AAAAAABkAAAAMgAAAAAAAABkAAAAAAAAAH9/fwAKAAAAHwAAAFQAAAD///8A////AQAAAAAAAAAAAAAAAAAAAAAAAAAAAAAAAAAAAAAAAAAAAAAAAH9/fwDu7OEDzMzMAMDA/wB/f38AAAAAAAAAAAAAAAAAAAAAAAAAAAAhAAAAGAAAABQAAADIBQAAgigAAMg9AADCKgAAEAAAACYAAAAIAAAAAQAAAAAAAAA="/>
+                <pr:smNativeData xmlns:pr="smNativeData" xmlns:p14="http://schemas.microsoft.com/office/powerpoint/2010/main" xmlns="" val="SMDATA_13_eIVQYBMAAAAlAAAAZAAAAA0AAAAAAAAAAAAAAAAAAAAAAAAAAAAAAAAAAAAAAAAAAAEAAABQAAAAAAAAAAAA4D8AAAAAAADgPwAAAAAAAOA/AAAAAAAA4D8AAAAAAADgPwAAAAAAAOA/AAAAAAAA4D8AAAAAAADgPwAAAAAAAOA/AAAAAAAA4D8CAAAAjAAAAAAAAAAAAAAA////AP///wgAAAAAAAAAAAAAAAAAAAAAAAAAAAAAAAAAAAAAeAAAAAEAAABAAAAAAAAAAAAAAABaAAAAAAAAAAAAAAAAAAAAAAAAAAAAAAAAAAAAAAAAAAAAAAAAAAAAAAAAAAAAAAAAAAAAAAAAAAAAAAAAAAAAAAAAAAAAAAAAAAAAFAAAADwAAAAAAAAAAAAAAAAAAAAPAAAAAQAAACMAAAAjAAAAIwAAAB4AAAAAAAAAZAAAAGQAAAAAAAAAZAAAAGQAAAAVAAAAYAAAAAAAAAAAAAAADwAAACADAAAAAAAAAAAAAAEAAACgMgAAVgcAAKr4//8BAAAAf39/AAEAAABkAAAAAAAAABQAAABAHwAAAAAAACYAAAAAAAAAwOD//wAAAAAmAAAAZAAAABYAAABMAAAAAAAAAAAAAAAEAAAAAAAAAAEAAADu7OEKAAAAACgAAAAoAAAAZAAAAGQAAAAAAAAAzMzMAAAAAABQAAAAUAAAAGQAAABkAAAAAAAAABcAAAAUAAAAAAAAAAAAAAD/fwAA/38AAAAAAAAJAAAABAAAAAAAAAAMAAAAEAAAAAAAAAAAAAAAAAAAAAAAAAAeAAAAaAAAAAAAAAAAAAAAAAAAAAAAAAAAAAAAECcAABAnAAAAAAAAAAAAAAAAAAAAAAAAAAAAAAAAAAAAAAAAAAAAABQAAAAAAAAAwMD/AAAAAABkAAAAMgAAAAAAAABkAAAAAAAAAH9/fwAKAAAAHwAAAFQAAAD///8A////AQAAAAAAAAAAAAAAAAAAAAAAAAAAAAAAAAAAAAAAAAAAAAAAAH9/fwDu7OEDzMzMAMDA/wB/f38AAAAAAAAAAAAAAAAAAAAAAAAAAAAhAAAAGAAAABQAAADIBQAAgigAAMg9AADCKgAAEAAAACYAAAAIAAAAAQAAAAAAAAA="/>
               </a:ext>
             </a:extLst>
           </p:cNvSpPr>
@@ -4569,7 +4617,7 @@
             <a:spLocks noGrp="1" noChangeArrowheads="1"/>
             <a:extLst>
               <a:ext uri="smNativeData">
-                <pr:smNativeData xmlns:pr="smNativeData" val="SMDATA_13_eIVQYBMAAAAlAAAAZAAAAA0AAAAAAAAAAAAAAAAAAAAAAAAAAAAAAAAAAAAAAAAAAAEAAABQAAAAAAAAAAAA4D8AAAAAAADgPwAAAAAAAOA/AAAAAAAA4D8AAAAAAADgPwAAAAAAAOA/AAAAAAAA4D8AAAAAAADgPwAAAAAAAOA/AAAAAAAA4D8CAAAAjAAAAAAAAAAAAAAA////AP///wgAAAAAAAAAAAAAAAAAAAAAAAAAAAAAAAAAAAAAeAAAAAEAAABAAAAAAAAAAAAAAABaAAAAAAAAAAAAAAAAAAAAAAAAAAAAAAAAAAAAAAAAAAAAAAAAAAAAAAAAAAAAAAAAAAAAAAAAAAAAAAAAAAAAAAAAAAAAAAAAAAAAFAAAADwAAAAAAAAAAAAAAAAAAAAPAAAAAQAAACMAAAAjAAAAIwAAAB4AAAAAAAAAZAAAAGQAAAAAAAAAZAAAAGQAAAAVAAAAYAAAAAAAAAAAAAAADwAAACADAAAAAAAAAAAAAAEAAACgMgAAVgcAAKr4//8BAAAAf39/AAEAAABkAAAAAAAAABQAAABAHwAAAAAAACYAAAAAAAAAwOD//wAAAAAmAAAAZAAAABYAAABMAAAAAAAAAAAAAAAEAAAAAAAAAAEAAADu7OEKAAAAACgAAAAoAAAAZAAAAGQAAAAAAAAAzMzMAAAAAABQAAAAUAAAAGQAAABkAAAAAAAAABcAAAAUAAAAAAAAAAAAAAD/fwAA/38AAAAAAAAJAAAABAAAAAAAAAAMAAAAEAAAAAAAAAAAAAAAAAAAAAAAAAAeAAAAaAAAAAAAAAAAAAAAAAAAAAAAAAAAAAAAECcAABAnAAAAAAAAAAAAAAAAAAAAAAAAAAAAAAAAAAAAAAAAAAAAABQAAAAAAAAAwMD/AAAAAABkAAAAMgAAAAAAAABkAAAAAAAAAH9/fwAKAAAAHwAAAFQAAAD///8A////AQAAAAAAAAAAAAAAAAAAAAAAAAAAAAAAAAAAAAAAAAAAAAAAAH9/fwDu7OEDzMzMAMDA/wB/f38AAAAAAAAAAAAAAAAAAAAAAAAAAAAhAAAAGAAAABQAAADIBQAAyBkAAGg4AAAOHAAAEAAAACYAAAAIAAAAAQAAAAAAAAA="/>
+                <pr:smNativeData xmlns:pr="smNativeData" xmlns:p14="http://schemas.microsoft.com/office/powerpoint/2010/main" xmlns="" val="SMDATA_13_eIVQYBMAAAAlAAAAZAAAAA0AAAAAAAAAAAAAAAAAAAAAAAAAAAAAAAAAAAAAAAAAAAEAAABQAAAAAAAAAAAA4D8AAAAAAADgPwAAAAAAAOA/AAAAAAAA4D8AAAAAAADgPwAAAAAAAOA/AAAAAAAA4D8AAAAAAADgPwAAAAAAAOA/AAAAAAAA4D8CAAAAjAAAAAAAAAAAAAAA////AP///wgAAAAAAAAAAAAAAAAAAAAAAAAAAAAAAAAAAAAAeAAAAAEAAABAAAAAAAAAAAAAAABaAAAAAAAAAAAAAAAAAAAAAAAAAAAAAAAAAAAAAAAAAAAAAAAAAAAAAAAAAAAAAAAAAAAAAAAAAAAAAAAAAAAAAAAAAAAAAAAAAAAAFAAAADwAAAAAAAAAAAAAAAAAAAAPAAAAAQAAACMAAAAjAAAAIwAAAB4AAAAAAAAAZAAAAGQAAAAAAAAAZAAAAGQAAAAVAAAAYAAAAAAAAAAAAAAADwAAACADAAAAAAAAAAAAAAEAAACgMgAAVgcAAKr4//8BAAAAf39/AAEAAABkAAAAAAAAABQAAABAHwAAAAAAACYAAAAAAAAAwOD//wAAAAAmAAAAZAAAABYAAABMAAAAAAAAAAAAAAAEAAAAAAAAAAEAAADu7OEKAAAAACgAAAAoAAAAZAAAAGQAAAAAAAAAzMzMAAAAAABQAAAAUAAAAGQAAABkAAAAAAAAABcAAAAUAAAAAAAAAAAAAAD/fwAA/38AAAAAAAAJAAAABAAAAAAAAAAMAAAAEAAAAAAAAAAAAAAAAAAAAAAAAAAeAAAAaAAAAAAAAAAAAAAAAAAAAAAAAAAAAAAAECcAABAnAAAAAAAAAAAAAAAAAAAAAAAAAAAAAAAAAAAAAAAAAAAAABQAAAAAAAAAwMD/AAAAAABkAAAAMgAAAAAAAABkAAAAAAAAAH9/fwAKAAAAHwAAAFQAAAD///8A////AQAAAAAAAAAAAAAAAAAAAAAAAAAAAAAAAAAAAAAAAAAAAAAAAH9/fwDu7OEDzMzMAMDA/wB/f38AAAAAAAAAAAAAAAAAAAAAAAAAAAAhAAAAGAAAABQAAADIBQAAyBkAAGg4AAAOHAAAEAAAACYAAAAIAAAAAQAAAAAAAAA="/>
               </a:ext>
             </a:extLst>
           </p:cNvSpPr>
@@ -4601,18 +4649,11 @@
   <p:clrMapOvr>
     <a:masterClrMapping/>
   </p:clrMapOvr>
-  <p:timing>
-    <p:tnLst>
-      <p:par>
-        <p:cTn id="1" dur="indefinite" restart="never" nodeType="tmRoot"/>
-      </p:par>
-    </p:tnLst>
-  </p:timing>
 </p:sld>
 </file>
 
 <file path=ppt/slides/slide10.xml><?xml version="1.0" encoding="utf-8"?>
-<p:sld xmlns:p="http://schemas.openxmlformats.org/presentationml/2006/main" xmlns:p14="http://schemas.microsoft.com/office/powerpoint/2010/main" xmlns:r="http://schemas.openxmlformats.org/officeDocument/2006/relationships" xmlns:a="http://schemas.openxmlformats.org/drawingml/2006/main">
+<p:sld xmlns:a="http://schemas.openxmlformats.org/drawingml/2006/main" xmlns:r="http://schemas.openxmlformats.org/officeDocument/2006/relationships" xmlns:p="http://schemas.openxmlformats.org/presentationml/2006/main">
   <p:cSld>
     <p:spTree>
       <p:nvGrpSpPr>
@@ -4635,7 +4676,7 @@
             <a:spLocks noGrp="1" noChangeArrowheads="1"/>
             <a:extLst>
               <a:ext uri="smNativeData">
-                <pr:smNativeData xmlns:pr="smNativeData" val="SMDATA_13_eIVQYBMAAAAlAAAAZAAAAA0AAAAAAAAAAAAAAAAAAAAAAAAAAAAAAAAAAAAAAAAAAAEAAABQAAAAAAAAAAAA4D8AAAAAAADgPwAAAAAAAOA/AAAAAAAA4D8AAAAAAADgPwAAAAAAAOA/AAAAAAAA4D8AAAAAAADgPwAAAAAAAOA/AAAAAAAA4D8CAAAAjAAAAAAAAAAAAAAA////AP///wgAAAAAAAAAAAAAAAAAAAAAAAAAAAAAAAAAAAAAeAAAAAEAAABAAAAAAAAAAAAAAABaAAAAAAAAAAAAAAAAAAAAAAAAAAAAAAAAAAAAAAAAAAAAAAAAAAAAAAAAAAAAAAAAAAAAAAAAAAAAAAAAAAAAAAAAAAAAAAAAAAAAFAAAADwAAAAAAAAAAAAAAAAAAAAPAAAAAQAAACMAAAAjAAAAIwAAAB4AAAAAAAAAZAAAAGQAAAAAAAAAZAAAAGQAAAAVAAAAYAAAAAAAAAAAAAAADwAAACADAAAAAAAAAAAAAAEAAACgMgAAVgcAAKr4//8BAAAAf39/AAEAAABkAAAAAAAAABQAAABAHwAAAAAAACYAAAAAAAAAwOD//wAAAAAmAAAAZAAAABYAAABMAAAAAAAAAAAAAAAEAAAAAAAAAAEAAADu7OEKAAAAACgAAAAoAAAAZAAAAGQAAAAAAAAAzMzMAAAAAABQAAAAUAAAAGQAAABkAAAAAAAAABcAAAAUAAAAAAAAAAAAAAD/fwAA/38AAAAAAAAJAAAABAAAAC5kaWEMAAAAEAAAAAAAAAAAAAAAAAAAAAAAAAAeAAAAaAAAAAAAAAAAAAAAAAAAAAAAAAAAAAAAECcAABAnAAAAAAAAAAAAAAAAAAAAAAAAAAAAAAAAAAAAAAAAAAAAABQAAAAAAAAAwMD/AAAAAABkAAAAMgAAAAAAAABkAAAAAAAAAH9/fwAKAAAAHwAAAFQAAAD///8A////AQAAAAAAAAAAAAAAAAAAAAAAAAAAAAAAAAAAAAAAAAAAAAAAAH9/fwDu7OEDzMzMAMDA/wB/f38AAAAAAAAAAAAAAAAAAAAAAAAAAAAhAAAAGAAAABQAAADIBQAAiQsAAHpIAACpDwAAEAAAACYAAAAIAAAAAQAAAAAAAAA="/>
+                <pr:smNativeData xmlns="" xmlns:p14="http://schemas.microsoft.com/office/powerpoint/2010/main" xmlns:pr="smNativeData" val="SMDATA_13_eIVQYBMAAAAlAAAAZAAAAA0AAAAAAAAAAAAAAAAAAAAAAAAAAAAAAAAAAAAAAAAAAAEAAABQAAAAAAAAAAAA4D8AAAAAAADgPwAAAAAAAOA/AAAAAAAA4D8AAAAAAADgPwAAAAAAAOA/AAAAAAAA4D8AAAAAAADgPwAAAAAAAOA/AAAAAAAA4D8CAAAAjAAAAAAAAAAAAAAA////AP///wgAAAAAAAAAAAAAAAAAAAAAAAAAAAAAAAAAAAAAeAAAAAEAAABAAAAAAAAAAAAAAABaAAAAAAAAAAAAAAAAAAAAAAAAAAAAAAAAAAAAAAAAAAAAAAAAAAAAAAAAAAAAAAAAAAAAAAAAAAAAAAAAAAAAAAAAAAAAAAAAAAAAFAAAADwAAAAAAAAAAAAAAAAAAAAPAAAAAQAAACMAAAAjAAAAIwAAAB4AAAAAAAAAZAAAAGQAAAAAAAAAZAAAAGQAAAAVAAAAYAAAAAAAAAAAAAAADwAAACADAAAAAAAAAAAAAAEAAACgMgAAVgcAAKr4//8BAAAAf39/AAEAAABkAAAAAAAAABQAAABAHwAAAAAAACYAAAAAAAAAwOD//wAAAAAmAAAAZAAAABYAAABMAAAAAAAAAAAAAAAEAAAAAAAAAAEAAADu7OEKAAAAACgAAAAoAAAAZAAAAGQAAAAAAAAAzMzMAAAAAABQAAAAUAAAAGQAAABkAAAAAAAAABcAAAAUAAAAAAAAAAAAAAD/fwAA/38AAAAAAAAJAAAABAAAAC5kaWEMAAAAEAAAAAAAAAAAAAAAAAAAAAAAAAAeAAAAaAAAAAAAAAAAAAAAAAAAAAAAAAAAAAAAECcAABAnAAAAAAAAAAAAAAAAAAAAAAAAAAAAAAAAAAAAAAAAAAAAABQAAAAAAAAAwMD/AAAAAABkAAAAMgAAAAAAAABkAAAAAAAAAH9/fwAKAAAAHwAAAFQAAAD///8A////AQAAAAAAAAAAAAAAAAAAAAAAAAAAAAAAAAAAAAAAAAAAAAAAAH9/fwDu7OEDzMzMAMDA/wB/f38AAAAAAAAAAAAAAAAAAAAAAAAAAAAhAAAAGAAAABQAAADIBQAAiQsAAHpIAACpDwAAEAAAACYAAAAIAAAAAQAAAAAAAAA="/>
               </a:ext>
             </a:extLst>
           </p:cNvSpPr>
@@ -4657,7 +4698,8 @@
               <a:defRPr lang="en-gb"/>
             </a:pPr>
             <a:r>
-              <a:t>Approach – Services</a:t>
+              <a:rPr dirty="0"/>
+              <a:t>Approach – Services II</a:t>
             </a:r>
           </a:p>
         </p:txBody>
@@ -4669,7 +4711,7 @@
             <a:spLocks noGrp="1" noChangeArrowheads="1"/>
             <a:extLst>
               <a:ext uri="smNativeData">
-                <pr:smNativeData xmlns:pr="smNativeData" val="SMDATA_13_eIVQYBMAAAAlAAAAZAAAAA0AAAAAAAAAAAAAAAAAAAAAAAAAAAAAAAAAAAAAAAAAAAEAAABQAAAAAAAAAAAA4D8AAAAAAADgPwAAAAAAAOA/AAAAAAAA4D8AAAAAAADgPwAAAAAAAOA/AAAAAAAA4D8AAAAAAADgPwAAAAAAAOA/AAAAAAAA4D8CAAAAjAAAAAAAAAAAAAAA////AP///wgAAAAAAAAAAAAAAAAAAAAAAAAAAAAAAAAAAAAAeAAAAAEAAABAAAAAAAAAAAAAAABaAAAAAAAAAAAAAAAAAAAAAAAAAAAAAAAAAAAAAAAAAAAAAAAAAAAAAAAAAAAAAAAAAAAAAAAAAAAAAAAAAAAAAAAAAAAAAAAAAAAAFAAAADwAAAAAAAAAAAAAAAAAAAAPAAAAAQAAACMAAAAjAAAAIwAAAB4AAAAAAAAAZAAAAGQAAAAAAAAAZAAAAGQAAAAVAAAAYAAAAAAAAAAAAAAADwAAACADAAAAAAAAAAAAAAEAAACgMgAAVgcAAKr4//8BAAAAf39/AAEAAABkAAAAAAAAABQAAABAHwAAAAAAACYAAAAAAAAAwOD//wAAAAAmAAAAZAAAABYAAABMAAAAAAAAAAAAAAAEAAAAAAAAAAEAAADu7OEKAAAAACgAAAAoAAAAZAAAAGQAAAAAAAAAzMzMAAAAAABQAAAAUAAAAGQAAABkAAAAAAAAABcAAAAUAAAAAAAAAAAAAAD/fwAA/38AAAAAAAAJAAAABAAAAAAAAAAMAAAAEAAAAAAAAAAAAAAAAAAAAAAAAAAeAAAAaAAAAAAAAAAAAAAAAAAAAAAAAAAAAAAAECcAABAnAAAAAAAAAAAAAAAAAAAAAAAAAAAAAAAAAAAAAAAAAAAAABQAAAAAAAAAwMD/AAAAAABkAAAAMgAAAAAAAABkAAAAAAAAAH9/fwAKAAAAHwAAAFQAAAD///8A////AQAAAAAAAAAAAAAAAAAAAAAAAAAAAAAAAAAAAAAAAAAAAAAAAH9/fwDu7OEDzMzMAMDA/wB/f38AAAAAAAAAAAAAAAAAAAAAAAAAAAAhAAAAGAAAABQAAADIBQAAwBIAAHpIAADDMgAAEAAAACYAAAAIAAAAAYAAAAAAAAA="/>
+                <pr:smNativeData xmlns="" xmlns:p14="http://schemas.microsoft.com/office/powerpoint/2010/main" xmlns:pr="smNativeData" val="SMDATA_13_eIVQYBMAAAAlAAAAZAAAAA0AAAAAAAAAAAAAAAAAAAAAAAAAAAAAAAAAAAAAAAAAAAEAAABQAAAAAAAAAAAA4D8AAAAAAADgPwAAAAAAAOA/AAAAAAAA4D8AAAAAAADgPwAAAAAAAOA/AAAAAAAA4D8AAAAAAADgPwAAAAAAAOA/AAAAAAAA4D8CAAAAjAAAAAAAAAAAAAAA////AP///wgAAAAAAAAAAAAAAAAAAAAAAAAAAAAAAAAAAAAAeAAAAAEAAABAAAAAAAAAAAAAAABaAAAAAAAAAAAAAAAAAAAAAAAAAAAAAAAAAAAAAAAAAAAAAAAAAAAAAAAAAAAAAAAAAAAAAAAAAAAAAAAAAAAAAAAAAAAAAAAAAAAAFAAAADwAAAAAAAAAAAAAAAAAAAAPAAAAAQAAACMAAAAjAAAAIwAAAB4AAAAAAAAAZAAAAGQAAAAAAAAAZAAAAGQAAAAVAAAAYAAAAAAAAAAAAAAADwAAACADAAAAAAAAAAAAAAEAAACgMgAAVgcAAKr4//8BAAAAf39/AAEAAABkAAAAAAAAABQAAABAHwAAAAAAACYAAAAAAAAAwOD//wAAAAAmAAAAZAAAABYAAABMAAAAAAAAAAAAAAAEAAAAAAAAAAEAAADu7OEKAAAAACgAAAAoAAAAZAAAAGQAAAAAAAAAzMzMAAAAAABQAAAAUAAAAGQAAABkAAAAAAAAABcAAAAUAAAAAAAAAAAAAAD/fwAA/38AAAAAAAAJAAAABAAAAAAAAAAMAAAAEAAAAAAAAAAAAAAAAAAAAAAAAAAeAAAAaAAAAAAAAAAAAAAAAAAAAAAAAAAAAAAAECcAABAnAAAAAAAAAAAAAAAAAAAAAAAAAAAAAAAAAAAAAAAAAAAAABQAAAAAAAAAwMD/AAAAAABkAAAAMgAAAAAAAABkAAAAAAAAAH9/fwAKAAAAHwAAAFQAAAD///8A////AQAAAAAAAAAAAAAAAAAAAAAAAAAAAAAAAAAAAAAAAAAAAAAAAH9/fwDu7OEDzMzMAMDA/wB/f38AAAAAAAAAAAAAAAAAAAAAAAAAAAAhAAAAGAAAABQAAADIBQAAwBIAAHpIAADDMgAAEAAAACYAAAAIAAAAAYAAAAAAAAA="/>
               </a:ext>
             </a:extLst>
           </p:cNvSpPr>
@@ -4697,7 +4739,7 @@
                 <a:schemeClr val="accent1"/>
               </a:buClr>
               <a:buSzPts val="2910"/>
-              <a:buFont typeface="Wingdings" pitchFamily="0" charset="0"/>
+              <a:buFont typeface="Wingdings" charset="0"/>
               <a:buChar char="§"/>
               <a:tabLst/>
               <a:defRPr lang="de-de" sz="2800" b="0" i="0" baseline="0">
@@ -4728,7 +4770,7 @@
               <a:lnSpc>
                 <a:spcPct val="150000"/>
               </a:lnSpc>
-              <a:buFont typeface="Wingdings" pitchFamily="0" charset="0"/>
+              <a:buFont typeface="Wingdings" charset="0"/>
               <a:buChar char="§"/>
               <a:defRPr lang="de-de" sz="2000" b="0" i="0" baseline="0">
                 <a:solidFill>
@@ -4763,7 +4805,16 @@
               <a:defRPr lang="de-de"/>
             </a:pPr>
             <a:r>
-              <a:t>Human activity services:</a:t>
+              <a:rPr lang="en-gb" dirty="0"/>
+              <a:t>Random sensing service </a:t>
+            </a:r>
+            <a:r>
+              <a:rPr lang="en-GB" dirty="0"/>
+              <a:t>–</a:t>
+            </a:r>
+            <a:r>
+              <a:rPr lang="en-gb" dirty="0"/>
+              <a:t> 4 different actions:</a:t>
             </a:r>
           </a:p>
           <a:p>
@@ -4771,7 +4822,8 @@
               <a:defRPr lang="de-de"/>
             </a:pPr>
             <a:r>
-              <a:t>Health – Heart rate monitor</a:t>
+              <a:rPr lang="en-gb" dirty="0"/>
+              <a:t>Start one random service</a:t>
             </a:r>
           </a:p>
           <a:p>
@@ -4779,7 +4831,8 @@
               <a:defRPr lang="de-de"/>
             </a:pPr>
             <a:r>
-              <a:t>Location – GPS </a:t>
+              <a:rPr lang="en-GB" dirty="0"/>
+              <a:t>Start the max amount of services</a:t>
             </a:r>
           </a:p>
           <a:p>
@@ -4787,46 +4840,66 @@
               <a:defRPr lang="de-de"/>
             </a:pPr>
             <a:r>
-              <a:t>Activity – Pedometer</a:t>
-            </a:r>
-          </a:p>
-          <a:p>
-            <a:pPr>
-              <a:defRPr lang="de-de"/>
-            </a:pPr>
-            <a:r>
-              <a:t>Privacy permission service</a:t>
-            </a:r>
-          </a:p>
-          <a:p>
-            <a:pPr>
-              <a:defRPr lang="de-de"/>
-            </a:pPr>
-            <a:r>
-              <a:rPr lang="en-gb"/>
-              <a:t>Random sensing service</a:t>
-            </a:r>
-            <a:endParaRPr lang="en-gb"/>
-          </a:p>
-          <a:p>
-            <a:pPr>
-              <a:defRPr lang="de-de"/>
-            </a:pPr>
-            <a:r>
-              <a:rPr lang="en-gb"/>
+              <a:rPr lang="en-gb" dirty="0"/>
+              <a:t>Stop one random service</a:t>
+            </a:r>
+          </a:p>
+          <a:p>
+            <a:pPr lvl="1">
+              <a:defRPr lang="de-de"/>
+            </a:pPr>
+            <a:r>
+              <a:rPr lang="en-GB" dirty="0"/>
+              <a:t>Stop all services</a:t>
+            </a:r>
+            <a:endParaRPr lang="en-gb" dirty="0"/>
+          </a:p>
+          <a:p>
+            <a:pPr>
+              <a:defRPr lang="de-de"/>
+            </a:pPr>
+            <a:r>
+              <a:rPr lang="en-gb" dirty="0"/>
               <a:t>Message port service</a:t>
             </a:r>
-            <a:endParaRPr lang="en-gb"/>
-          </a:p>
-          <a:p>
-            <a:pPr>
-              <a:defRPr lang="de-de"/>
-            </a:pPr>
-            <a:r>
-              <a:rPr lang="en-gb"/>
+          </a:p>
+          <a:p>
+            <a:pPr lvl="1">
+              <a:defRPr lang="de-de"/>
+            </a:pPr>
+            <a:r>
+              <a:rPr lang="en-GB" dirty="0"/>
+              <a:t>Creates a communication channel between Watch Face and Main App</a:t>
+            </a:r>
+            <a:endParaRPr lang="en-gb" dirty="0"/>
+          </a:p>
+          <a:p>
+            <a:pPr>
+              <a:defRPr lang="de-de"/>
+            </a:pPr>
+            <a:r>
+              <a:rPr lang="en-gb" dirty="0"/>
               <a:t>Feedback service</a:t>
             </a:r>
-            <a:endParaRPr lang="en-gb"/>
+          </a:p>
+          <a:p>
+            <a:pPr lvl="1">
+              <a:defRPr lang="de-de"/>
+            </a:pPr>
+            <a:r>
+              <a:rPr lang="en-GB" dirty="0"/>
+              <a:t>Receives feedback messages</a:t>
+            </a:r>
+          </a:p>
+          <a:p>
+            <a:pPr lvl="1">
+              <a:defRPr lang="de-de"/>
+            </a:pPr>
+            <a:r>
+              <a:rPr lang="en-GB" dirty="0"/>
+              <a:t>Transforms them into actual feedback</a:t>
+            </a:r>
+            <a:endParaRPr lang="en-gb" dirty="0"/>
           </a:p>
         </p:txBody>
       </p:sp>
@@ -4837,7 +4910,7 @@
             <a:spLocks noGrp="1" noChangeArrowheads="1"/>
             <a:extLst>
               <a:ext uri="smNativeData">
-                <pr:smNativeData xmlns:pr="smNativeData" val="SMDATA_13_eIVQYBMAAAAlAAAAZAAAAA0AAAAAAAAAAAAAAAAAAAAAAAAAAAAAAAAAAAAAAAAAAAEAAABQAAAAAAAAAAAA4D8AAAAAAADgPwAAAAAAAOA/AAAAAAAA4D8AAAAAAADgPwAAAAAAAOA/AAAAAAAA4D8AAAAAAADgPwAAAAAAAOA/AAAAAAAA4D8CAAAAjAAAAAAAAAAAAAAA////AP///wgAAAAAAAAAAAAAAAAAAAAAAAAAAAAAAAAAAAAAeAAAAAEAAABAAAAAAAAAAAAAAABaAAAAAAAAAAAAAAAAAAAAAAAAAAAAAAAAAAAAAAAAAAAAAAAAAAAAAAAAAAAAAAAAAAAAAAAAAAAAAAAAAAAAAAAAAAAAAAAAAAAAFAAAADwAAAAAAAAAAAAAAAAAAAAPAAAAAQAAACMAAAAjAAAAIwAAAB4AAAAAAAAAZAAAAGQAAAAAAAAAZAAAAGQAAAAVAAAAYAAAAAAAAAAAAAAADwAAACADAAAAAAAAAAAAAAEAAACgMgAAVgcAAKr4//8BAAAAf39/AAEAAABkAAAAAAAAABQAAABAHwAAAAAAACYAAAAAAAAAwOD//wAAAAAmAAAAZAAAABYAAABMAAAAAAAAAAAAAAAEAAAAAAAAAAEAAADu7OEKAAAAACgAAAAoAAAAZAAAAGQAAAAAAAAAzMzMAAAAAABQAAAAUAAAAGQAAABkAAAAAAAAABcAAAAUAAAAAAAAAAAAAAD/fwAA/38AAAAAAAAJAAAABAAAAAAAAAAMAAAAEAAAAAAAAAAAAAAAAAAAAAAAAAAeAAAAaAAAAAAAAAAAAAAAAAAAAAAAAAAAAAAAECcAABAnAAAAAAAAAAAAAAAAAAAAAAAAAAAAAAAAAAAAAAAAAAAAABQAAAAAAAAAwMD/AAAAAABkAAAAMgAAAAAAAABkAAAAAAAAAH9/fwAKAAAAHwAAAFQAAAD///8A////AQAAAAAAAAAAAAAAAAAAAAAAAAAAAAAAAAAAAAAAAAAAAAAAAH9/fwDu7OEDzMzMAMDA/wB/f38AAAAAAAAAAAAAAAAAAAAAAAAAAAAhAAAAGAAAABQAAADqAQAA4DgAAPAKAACYOgAAEAAAACYAAAAIAAAAAAAAAAAAAAA="/>
+                <pr:smNativeData xmlns="" xmlns:p14="http://schemas.microsoft.com/office/powerpoint/2010/main" xmlns:pr="smNativeData" val="SMDATA_13_eIVQYBMAAAAlAAAAZAAAAA0AAAAAAAAAAAAAAAAAAAAAAAAAAAAAAAAAAAAAAAAAAAEAAABQAAAAAAAAAAAA4D8AAAAAAADgPwAAAAAAAOA/AAAAAAAA4D8AAAAAAADgPwAAAAAAAOA/AAAAAAAA4D8AAAAAAADgPwAAAAAAAOA/AAAAAAAA4D8CAAAAjAAAAAAAAAAAAAAA////AP///wgAAAAAAAAAAAAAAAAAAAAAAAAAAAAAAAAAAAAAeAAAAAEAAABAAAAAAAAAAAAAAABaAAAAAAAAAAAAAAAAAAAAAAAAAAAAAAAAAAAAAAAAAAAAAAAAAAAAAAAAAAAAAAAAAAAAAAAAAAAAAAAAAAAAAAAAAAAAAAAAAAAAFAAAADwAAAAAAAAAAAAAAAAAAAAPAAAAAQAAACMAAAAjAAAAIwAAAB4AAAAAAAAAZAAAAGQAAAAAAAAAZAAAAGQAAAAVAAAAYAAAAAAAAAAAAAAADwAAACADAAAAAAAAAAAAAAEAAACgMgAAVgcAAKr4//8BAAAAf39/AAEAAABkAAAAAAAAABQAAABAHwAAAAAAACYAAAAAAAAAwOD//wAAAAAmAAAAZAAAABYAAABMAAAAAAAAAAAAAAAEAAAAAAAAAAEAAADu7OEKAAAAACgAAAAoAAAAZAAAAGQAAAAAAAAAzMzMAAAAAABQAAAAUAAAAGQAAABkAAAAAAAAABcAAAAUAAAAAAAAAAAAAAD/fwAA/38AAAAAAAAJAAAABAAAAAAAAAAMAAAAEAAAAAAAAAAAAAAAAAAAAAAAAAAeAAAAaAAAAAAAAAAAAAAAAAAAAAAAAAAAAAAAECcAABAnAAAAAAAAAAAAAAAAAAAAAAAAAAAAAAAAAAAAAAAAAAAAABQAAAAAAAAAwMD/AAAAAABkAAAAMgAAAAAAAABkAAAAAAAAAH9/fwAKAAAAHwAAAFQAAAD///8A////AQAAAAAAAAAAAAAAAAAAAAAAAAAAAAAAAAAAAAAAAAAAAAAAAH9/fwDu7OEDzMzMAMDA/wB/f38AAAAAAAAAAAAAAAAAAAAAAAAAAAAhAAAAGAAAABQAAADqAQAA4DgAAPAKAACYOgAAEAAAACYAAAAIAAAAAAAAAAAAAAA="/>
               </a:ext>
             </a:extLst>
           </p:cNvSpPr>
@@ -4866,7 +4939,7 @@
             <a:spLocks noGrp="1" noChangeArrowheads="1"/>
             <a:extLst>
               <a:ext uri="smNativeData">
-                <pr:smNativeData xmlns:pr="smNativeData" val="SMDATA_13_eIVQYBMAAAAlAAAAZAAAAA0AAAAAAAAAAAAAAAAAAAAAAAAAAAAAAAAAAAAAAAAAAAEAAABQAAAAAAAAAAAA4D8AAAAAAADgPwAAAAAAAOA/AAAAAAAA4D8AAAAAAADgPwAAAAAAAOA/AAAAAAAA4D8AAAAAAADgPwAAAAAAAOA/AAAAAAAA4D8CAAAAjAAAAAAAAAAAAAAA////AP///wgAAAAAAAAAAAAAAAAAAAAAAAAAAAAAAAAAAAAAeAAAAAEAAABAAAAAAAAAAAAAAABaAAAAAAAAAAAAAAAAAAAAAAAAAAAAAAAAAAAAAAAAAAAAAAAAAAAAAAAAAAAAAAAAAAAAAAAAAAAAAAAAAAAAAAAAAAAAAAAAAAAAFAAAADwAAAAAAAAAAAAAAAAAAAAPAAAAAQAAACMAAAAjAAAAIwAAAB4AAAAAAAAAZAAAAGQAAAAAAAAAZAAAAGQAAAAVAAAAYAAAAAAAAAAAAAAADwAAACADAAAAAAAAAAAAAAEAAACgMgAAVgcAAKr4//8BAAAAf39/AAEAAABkAAAAAAAAABQAAABAHwAAAAAAACYAAAAAAAAAwOD//wAAAAAmAAAAZAAAABYAAABMAAAAAAAAAAAAAAAEAAAAAAAAAAEAAADu7OEKAAAAACgAAAAoAAAAZAAAAGQAAAAAAAAAzMzMAAAAAABQAAAAUAAAAGQAAABkAAAAAAAAABcAAAAUAAAAAAAAAAAAAAD/fwAA/38AAAAAAAAJAAAABAAAAAAAAAAMAAAAEAAAAAAAAAAAAAAAAAAAAAAAAAAeAAAAaAAAAAAAAAAAAAAAAAAAAAAAAAAAAAAAECcAABAnAAAAAAAAAAAAAAAAAAAAAAAAAAAAAAAAAAAAAAAAAAAAABQAAAAAAAAAwMD/AAAAAABkAAAAMgAAAAAAAABkAAAAAAAAAH9/fwAKAAAAHwAAAFQAAAD///8A////AQAAAAAAAAAAAAAAAAAAAAAAAAAAAAAAAAAAAAAAAAAAAAAAAH9/fwDu7OEDzMzMAMDA/wB/f38AAAAAAAAAAAAAAAAAAAAAAAAAAAAhAAAAGAAAABQAAADQSAAAGDkAABZOAACYOgAAEAAAACYAAAAIAAAAAAAAAAAAAAA="/>
+                <pr:smNativeData xmlns="" xmlns:p14="http://schemas.microsoft.com/office/powerpoint/2010/main" xmlns:pr="smNativeData" val="SMDATA_13_eIVQYBMAAAAlAAAAZAAAAA0AAAAAAAAAAAAAAAAAAAAAAAAAAAAAAAAAAAAAAAAAAAEAAABQAAAAAAAAAAAA4D8AAAAAAADgPwAAAAAAAOA/AAAAAAAA4D8AAAAAAADgPwAAAAAAAOA/AAAAAAAA4D8AAAAAAADgPwAAAAAAAOA/AAAAAAAA4D8CAAAAjAAAAAAAAAAAAAAA////AP///wgAAAAAAAAAAAAAAAAAAAAAAAAAAAAAAAAAAAAAeAAAAAEAAABAAAAAAAAAAAAAAABaAAAAAAAAAAAAAAAAAAAAAAAAAAAAAAAAAAAAAAAAAAAAAAAAAAAAAAAAAAAAAAAAAAAAAAAAAAAAAAAAAAAAAAAAAAAAAAAAAAAAFAAAADwAAAAAAAAAAAAAAAAAAAAPAAAAAQAAACMAAAAjAAAAIwAAAB4AAAAAAAAAZAAAAGQAAAAAAAAAZAAAAGQAAAAVAAAAYAAAAAAAAAAAAAAADwAAACADAAAAAAAAAAAAAAEAAACgMgAAVgcAAKr4//8BAAAAf39/AAEAAABkAAAAAAAAABQAAABAHwAAAAAAACYAAAAAAAAAwOD//wAAAAAmAAAAZAAAABYAAABMAAAAAAAAAAAAAAAEAAAAAAAAAAEAAADu7OEKAAAAACgAAAAoAAAAZAAAAGQAAAAAAAAAzMzMAAAAAABQAAAAUAAAAGQAAABkAAAAAAAAABcAAAAUAAAAAAAAAAAAAAD/fwAA/38AAAAAAAAJAAAABAAAAAAAAAAMAAAAEAAAAAAAAAAAAAAAAAAAAAAAAAAeAAAAaAAAAAAAAAAAAAAAAAAAAAAAAAAAAAAAECcAABAnAAAAAAAAAAAAAAAAAAAAAAAAAAAAAAAAAAAAAAAAAAAAABQAAAAAAAAAwMD/AAAAAABkAAAAMgAAAAAAAABkAAAAAAAAAH9/fwAKAAAAHwAAAFQAAAD///8A////AQAAAAAAAAAAAAAAAAAAAAAAAAAAAAAAAAAAAAAAAAAAAAAAAH9/fwDu7OEDzMzMAMDA/wB/f38AAAAAAAAAAAAAAAAAAAAAAAAAAAAhAAAAGAAAABQAAADQSAAAGDkAABZOAACYOgAAEAAAACYAAAAIAAAAAAAAAAAAAAA="/>
               </a:ext>
             </a:extLst>
           </p:cNvSpPr>
@@ -4885,26 +4958,25 @@
             <a:fld id="{4D234438-76A0-76B2-EE9B-80E70AD518D5}" type="slidenum">
               <a:t>10</a:t>
             </a:fld>
+            <a:endParaRPr/>
           </a:p>
         </p:txBody>
       </p:sp>
     </p:spTree>
+    <p:extLst>
+      <p:ext uri="{BB962C8B-B14F-4D97-AF65-F5344CB8AC3E}">
+        <p14:creationId xmlns:p14="http://schemas.microsoft.com/office/powerpoint/2010/main" val="2203937816"/>
+      </p:ext>
+    </p:extLst>
   </p:cSld>
   <p:clrMapOvr>
     <a:masterClrMapping/>
   </p:clrMapOvr>
-  <p:timing>
-    <p:tnLst>
-      <p:par>
-        <p:cTn id="1" dur="indefinite" restart="never" nodeType="tmRoot"/>
-      </p:par>
-    </p:tnLst>
-  </p:timing>
 </p:sld>
 </file>
 
 <file path=ppt/slides/slide11.xml><?xml version="1.0" encoding="utf-8"?>
-<p:sld xmlns:p="http://schemas.openxmlformats.org/presentationml/2006/main" xmlns:p14="http://schemas.microsoft.com/office/powerpoint/2010/main" xmlns:r="http://schemas.openxmlformats.org/officeDocument/2006/relationships" xmlns:a="http://schemas.openxmlformats.org/drawingml/2006/main">
+<p:sld xmlns:a="http://schemas.openxmlformats.org/drawingml/2006/main" xmlns:r="http://schemas.openxmlformats.org/officeDocument/2006/relationships" xmlns:p="http://schemas.openxmlformats.org/presentationml/2006/main">
   <p:cSld>
     <p:spTree>
       <p:nvGrpSpPr>
@@ -4927,7 +4999,7 @@
             <a:spLocks noGrp="1" noChangeArrowheads="1"/>
             <a:extLst>
               <a:ext uri="smNativeData">
-                <pr:smNativeData xmlns:pr="smNativeData" val="SMDATA_13_eIVQYBMAAAAlAAAAZAAAAA0AAAAAAAAAAAAAAAAAAAAAAAAAAAAAAAAAAAAAAAAAAAEAAABQAAAAAAAAAAAA4D8AAAAAAADgPwAAAAAAAOA/AAAAAAAA4D8AAAAAAADgPwAAAAAAAOA/AAAAAAAA4D8AAAAAAADgPwAAAAAAAOA/AAAAAAAA4D8CAAAAjAAAAAAAAAAAAAAA////AP///wgAAAAAAAAAAAAAAAAAAAAAAAAAAAAAAAAAAAAAeAAAAAEAAABAAAAAAAAAAAAAAABaAAAAAAAAAAAAAAAAAAAAAAAAAAAAAAAAAAAAAAAAAAAAAAAAAAAAAAAAAAAAAAAAAAAAAAAAAAAAAAAAAAAAAAAAAAAAAAAAAAAAFAAAADwAAAAAAAAAAAAAAAAAAAAPAAAAAQAAACMAAAAjAAAAIwAAAB4AAAAAAAAAZAAAAGQAAAAAAAAAZAAAAGQAAAAVAAAAYAAAAAAAAAAAAAAADwAAACADAAAAAAAAAAAAAAEAAACgMgAAVgcAAKr4//8BAAAAf39/AAEAAABkAAAAAAAAABQAAABAHwAAAAAAACYAAAAAAAAAwOD//wAAAAAmAAAAZAAAABYAAABMAAAAAAAAAAAAAAAEAAAAAAAAAAEAAADu7OEKAAAAACgAAAAoAAAAZAAAAGQAAAAAAAAAzMzMAAAAAABQAAAAUAAAAGQAAABkAAAAAAAAABcAAAAUAAAAAAAAAAAAAAD/fwAA/38AAAAAAAAJAAAABAAAAAAAAAAMAAAAEAAAAAAAAAAAAAAAAAAAAAAAAAAeAAAAaAAAAAAAAAAAAAAAAAAAAAAAAAAAAAAAECcAABAnAAAAAAAAAAAAAAAAAAAAAAAAAAAAAAAAAAAAAAAAAAAAABQAAAAAAAAAwMD/AAAAAABkAAAAMgAAAAAAAABkAAAAAAAAAH9/fwAKAAAAHwAAAFQAAAD///8A////AQAAAAAAAAAAAAAAAAAAAAAAAAAAAAAAAAAAAAAAAAAAAAAAAH9/fwDu7OEDzMzMAMDA/wB/f38AAAAAAAAAAAAAAAAAAAAAAAAAAAAhAAAAGAAAABQAAADIBQAAiQsAAHpIAACpDwAAEAAAACYAAAAIAAAAAQAAAAAAAAA="/>
+                <pr:smNativeData xmlns:pr="smNativeData" xmlns:p14="http://schemas.microsoft.com/office/powerpoint/2010/main" xmlns="" val="SMDATA_13_eIVQYBMAAAAlAAAAZAAAAA0AAAAAAAAAAAAAAAAAAAAAAAAAAAAAAAAAAAAAAAAAAAEAAABQAAAAAAAAAAAA4D8AAAAAAADgPwAAAAAAAOA/AAAAAAAA4D8AAAAAAADgPwAAAAAAAOA/AAAAAAAA4D8AAAAAAADgPwAAAAAAAOA/AAAAAAAA4D8CAAAAjAAAAAAAAAAAAAAA////AP///wgAAAAAAAAAAAAAAAAAAAAAAAAAAAAAAAAAAAAAeAAAAAEAAABAAAAAAAAAAAAAAABaAAAAAAAAAAAAAAAAAAAAAAAAAAAAAAAAAAAAAAAAAAAAAAAAAAAAAAAAAAAAAAAAAAAAAAAAAAAAAAAAAAAAAAAAAAAAAAAAAAAAFAAAADwAAAAAAAAAAAAAAAAAAAAPAAAAAQAAACMAAAAjAAAAIwAAAB4AAAAAAAAAZAAAAGQAAAAAAAAAZAAAAGQAAAAVAAAAYAAAAAAAAAAAAAAADwAAACADAAAAAAAAAAAAAAEAAACgMgAAVgcAAKr4//8BAAAAf39/AAEAAABkAAAAAAAAABQAAABAHwAAAAAAACYAAAAAAAAAwOD//wAAAAAmAAAAZAAAABYAAABMAAAAAAAAAAAAAAAEAAAAAAAAAAEAAADu7OEKAAAAACgAAAAoAAAAZAAAAGQAAAAAAAAAzMzMAAAAAABQAAAAUAAAAGQAAABkAAAAAAAAABcAAAAUAAAAAAAAAAAAAAD/fwAA/38AAAAAAAAJAAAABAAAAGyRchUMAAAAEAAAAAAAAAAAAAAAAAAAAAAAAAAeAAAAaAAAAAAAAAAAAAAAAAAAAAAAAAAAAAAAECcAABAnAAAAAAAAAAAAAAAAAAAAAAAAAAAAAAAAAAAAAAAAAAAAABQAAAAAAAAAwMD/AAAAAABkAAAAMgAAAAAAAABkAAAAAAAAAH9/fwAKAAAAHwAAAFQAAAD///8A////AQAAAAAAAAAAAAAAAAAAAAAAAAAAAAAAAAAAAAAAAAAAAAAAAH9/fwDu7OEDzMzMAMDA/wB/f38AAAAAAAAAAAAAAAAAAAAAAAAAAAAhAAAAGAAAABQAAADIBQAAiQsAAHpIAACpDwAAEAAAACYAAAAIAAAAAQAAAAAAAAA="/>
               </a:ext>
             </a:extLst>
           </p:cNvSpPr>
@@ -4949,7 +5021,8 @@
               <a:defRPr lang="en-gb"/>
             </a:pPr>
             <a:r>
-              <a:t>Approach – Supported feedback types</a:t>
+              <a:rPr dirty="0"/>
+              <a:t>Approach – Main Application</a:t>
             </a:r>
           </a:p>
         </p:txBody>
@@ -4961,7 +5034,7 @@
             <a:spLocks noGrp="1" noChangeArrowheads="1"/>
             <a:extLst>
               <a:ext uri="smNativeData">
-                <pr:smNativeData xmlns:pr="smNativeData" val="SMDATA_13_eIVQYBMAAAAlAAAAZAAAAA0AAAAAAAAAAAAAAAAAAAAAAAAAAAAAAAAAAAAAAAAAAAEAAABQAAAAAAAAAAAA4D8AAAAAAADgPwAAAAAAAOA/AAAAAAAA4D8AAAAAAADgPwAAAAAAAOA/AAAAAAAA4D8AAAAAAADgPwAAAAAAAOA/AAAAAAAA4D8CAAAAjAAAAAAAAAAAAAAA////AP///wgAAAAAAAAAAAAAAAAAAAAAAAAAAAAAAAAAAAAAeAAAAAEAAABAAAAAAAAAAAAAAABaAAAAAAAAAAAAAAAAAAAAAAAAAAAAAAAAAAAAAAAAAAAAAAAAAAAAAAAAAAAAAAAAAAAAAAAAAAAAAAAAAAAAAAAAAAAAAAAAAAAAFAAAADwAAAAAAAAAAAAAAAAAAAAPAAAAAQAAACMAAAAjAAAAIwAAAB4AAAAAAAAAZAAAAGQAAAAAAAAAZAAAAGQAAAAVAAAAYAAAAAAAAAAAAAAADwAAACADAAAAAAAAAAAAAAEAAACgMgAAVgcAAKr4//8BAAAAf39/AAEAAABkAAAAAAAAABQAAABAHwAAAAAAACYAAAAAAAAAwOD//wAAAAAmAAAAZAAAABYAAABMAAAAAAAAAAAAAAAEAAAAAAAAAAEAAADu7OEKAAAAACgAAAAoAAAAZAAAAGQAAAAAAAAAzMzMAAAAAABQAAAAUAAAAGQAAABkAAAAAAAAABcAAAAUAAAAAAAAAAAAAAD/fwAA/38AAAAAAAAJAAAABAAAAAAAAAAMAAAAEAAAAAAAAAAAAAAAAAAAAAAAAAAeAAAAaAAAAAAAAAAAAAAAAAAAAAAAAAAAAAAAECcAABAnAAAAAAAAAAAAAAAAAAAAAAAAAAAAAAAAAAAAAAAAAAAAABQAAAAAAAAAwMD/AAAAAABkAAAAMgAAAAAAAABkAAAAAAAAAH9/fwAKAAAAHwAAAFQAAAD///8A////AQAAAAAAAAAAAAAAAAAAAAAAAAAAAAAAAAAAAAAAAAAAAAAAAH9/fwDu7OEDzMzMAMDA/wB/f38AAAAAAAAAAAAAAAAAAAAAAAAAAAAhAAAAGAAAABQAAADIBQAAwBIAAHpIAADoLQAAEAAAACYAAAAIAAAAAYAAAAAAAAA="/>
+                <pr:smNativeData xmlns:pr="smNativeData" xmlns:p14="http://schemas.microsoft.com/office/powerpoint/2010/main" xmlns="" val="SMDATA_13_eIVQYBMAAAAlAAAAZAAAAA0AAAAAAAAAAAAAAAAAAAAAAAAAAAAAAAAAAAAAAAAAAAEAAABQAAAAAAAAAAAA4D8AAAAAAADgPwAAAAAAAOA/AAAAAAAA4D8AAAAAAADgPwAAAAAAAOA/AAAAAAAA4D8AAAAAAADgPwAAAAAAAOA/AAAAAAAA4D8CAAAAjAAAAAAAAAAAAAAA////AP///wgAAAAAAAAAAAAAAAAAAAAAAAAAAAAAAAAAAAAAeAAAAAEAAABAAAAAAAAAAAAAAABaAAAAAAAAAAAAAAAAAAAAAAAAAAAAAAAAAAAAAAAAAAAAAAAAAAAAAAAAAAAAAAAAAAAAAAAAAAAAAAAAAAAAAAAAAAAAAAAAAAAAFAAAADwAAAAAAAAAAAAAAAAAAAAPAAAAAQAAACMAAAAjAAAAIwAAAB4AAAAAAAAAZAAAAGQAAAAAAAAAZAAAAGQAAAAVAAAAYAAAAAAAAAAAAAAADwAAACADAAAAAAAAAAAAAAEAAACgMgAAVgcAAKr4//8BAAAAf39/AAEAAABkAAAAAAAAABQAAABAHwAAAAAAACYAAAAAAAAAwOD//wAAAAAmAAAAZAAAABYAAABMAAAAAAAAAAAAAAAEAAAAAAAAAAEAAADu7OEKAAAAACgAAAAoAAAAZAAAAGQAAAAAAAAAzMzMAAAAAABQAAAAUAAAAGQAAABkAAAAAAAAABcAAAAUAAAAAAAAAAAAAAD/fwAA/38AAAAAAAAJAAAABAAAAAAAAAAMAAAAEAAAAAAAAAAAAAAAAAAAAAAAAAAeAAAAaAAAAAAAAAAAAAAAAAAAAAAAAAAAAAAAECcAABAnAAAAAAAAAAAAAAAAAAAAAAAAAAAAAAAAAAAAAAAAAAAAABQAAAAAAAAAwMD/AAAAAABkAAAAMgAAAAAAAABkAAAAAAAAAH9/fwAKAAAAHwAAAFQAAAD///8A////AQAAAAAAAAAAAAAAAAAAAAAAAAAAAAAAAAAAAAAAAAAAAAAAAH9/fwDu7OEDzMzMAMDA/wB/f38AAAAAAAAAAAAAAAAAAAAAAAAAAAAhAAAAGAAAABQAAADIBQAAwBIAAHpIAABnJgAAEAAAACYAAAAIAAAAAYAAAAAAAAA="/>
               </a:ext>
             </a:extLst>
           </p:cNvSpPr>
@@ -4972,7 +5045,7 @@
         <p:spPr>
           <a:xfrm>
             <a:off x="939800" y="3048000"/>
-            <a:ext cx="10841990" cy="4414520"/>
+            <a:ext cx="10841990" cy="3194685"/>
           </a:xfrm>
         </p:spPr>
         <p:txBody>
@@ -4989,7 +5062,7 @@
                 <a:schemeClr val="accent1"/>
               </a:buClr>
               <a:buSzPts val="2910"/>
-              <a:buFont typeface="Wingdings" pitchFamily="0" charset="0"/>
+              <a:buFont typeface="Wingdings" charset="0"/>
               <a:buChar char="§"/>
               <a:tabLst/>
               <a:defRPr lang="de-de" sz="2800" b="0" i="0" baseline="0">
@@ -5020,7 +5093,7 @@
               <a:lnSpc>
                 <a:spcPct val="150000"/>
               </a:lnSpc>
-              <a:buFont typeface="Wingdings" pitchFamily="0" charset="0"/>
+              <a:buFont typeface="Wingdings" charset="0"/>
               <a:buChar char="§"/>
               <a:defRPr lang="de-de" sz="2000" b="0" i="0" baseline="0">
                 <a:solidFill>
@@ -5055,7 +5128,8 @@
               <a:defRPr lang="de-de"/>
             </a:pPr>
             <a:r>
-              <a:t>Visual feedbacks</a:t>
+              <a:rPr dirty="0"/>
+              <a:t>Main page</a:t>
             </a:r>
           </a:p>
           <a:p>
@@ -5063,7 +5137,36 @@
               <a:defRPr lang="de-de"/>
             </a:pPr>
             <a:r>
-              <a:t>Ring feedback</a:t>
+              <a:rPr lang="de-DE" dirty="0"/>
+              <a:t>Single button:</a:t>
+            </a:r>
+          </a:p>
+          <a:p>
+            <a:pPr lvl="2">
+              <a:defRPr lang="de-de"/>
+            </a:pPr>
+            <a:r>
+              <a:rPr lang="de-DE" dirty="0"/>
+              <a:t>Triggers random sensing</a:t>
+            </a:r>
+          </a:p>
+          <a:p>
+            <a:pPr lvl="2">
+              <a:defRPr lang="de-de"/>
+            </a:pPr>
+            <a:r>
+              <a:rPr lang="de-DE" dirty="0"/>
+              <a:t>For testing purposes</a:t>
+            </a:r>
+            <a:endParaRPr dirty="0"/>
+          </a:p>
+          <a:p>
+            <a:pPr>
+              <a:defRPr lang="de-de"/>
+            </a:pPr>
+            <a:r>
+              <a:rPr dirty="0"/>
+              <a:t>Visual feedback settings</a:t>
             </a:r>
           </a:p>
           <a:p>
@@ -5071,7 +5174,18 @@
               <a:defRPr lang="de-de"/>
             </a:pPr>
             <a:r>
-              <a:t>Icon feedback</a:t>
+              <a:rPr lang="de-DE" dirty="0"/>
+              <a:t>Radio box list to choose feedback</a:t>
+            </a:r>
+            <a:endParaRPr dirty="0"/>
+          </a:p>
+          <a:p>
+            <a:pPr>
+              <a:defRPr lang="de-de"/>
+            </a:pPr>
+            <a:r>
+              <a:rPr dirty="0"/>
+              <a:t>Other feedback settings</a:t>
             </a:r>
           </a:p>
           <a:p>
@@ -5079,36 +5193,25 @@
               <a:defRPr lang="de-de"/>
             </a:pPr>
             <a:r>
-              <a:t>Notification feedback</a:t>
-            </a:r>
-          </a:p>
-          <a:p>
-            <a:pPr>
-              <a:defRPr lang="de-de"/>
-            </a:pPr>
-            <a:r>
-              <a:t>Other feedbacks</a:t>
-            </a:r>
-          </a:p>
-          <a:p>
-            <a:pPr lvl="1">
-              <a:defRPr lang="de-de"/>
-            </a:pPr>
-            <a:r>
-              <a:rPr lang="en-gb"/>
-              <a:t>Vibration</a:t>
-            </a:r>
-            <a:endParaRPr lang="en-gb"/>
-          </a:p>
-          <a:p>
-            <a:pPr lvl="1">
-              <a:defRPr lang="de-de"/>
-            </a:pPr>
-            <a:r>
-              <a:rPr lang="en-gb"/>
-              <a:t>Sound</a:t>
-            </a:r>
-            <a:endParaRPr lang="en-gb"/>
+              <a:rPr lang="de-DE" dirty="0"/>
+              <a:t>Switches to toggle vibration and sound</a:t>
+            </a:r>
+            <a:endParaRPr dirty="0"/>
+          </a:p>
+          <a:p>
+            <a:pPr>
+              <a:defRPr lang="de-de"/>
+            </a:pPr>
+            <a:r>
+              <a:rPr dirty="0"/>
+              <a:t>Sensors suspension setting</a:t>
+            </a:r>
+          </a:p>
+          <a:p>
+            <a:pPr>
+              <a:defRPr lang="de-de"/>
+            </a:pPr>
+            <a:endParaRPr lang="en-gb" dirty="0"/>
           </a:p>
         </p:txBody>
       </p:sp>
@@ -5119,7 +5222,7 @@
             <a:spLocks noGrp="1" noChangeArrowheads="1"/>
             <a:extLst>
               <a:ext uri="smNativeData">
-                <pr:smNativeData xmlns:pr="smNativeData" val="SMDATA_13_eIVQYBMAAAAlAAAAZAAAAA0AAAAAAAAAAAAAAAAAAAAAAAAAAAAAAAAAAAAAAAAAAAEAAABQAAAAAAAAAAAA4D8AAAAAAADgPwAAAAAAAOA/AAAAAAAA4D8AAAAAAADgPwAAAAAAAOA/AAAAAAAA4D8AAAAAAADgPwAAAAAAAOA/AAAAAAAA4D8CAAAAjAAAAAAAAAAAAAAA////AP///wgAAAAAAAAAAAAAAAAAAAAAAAAAAAAAAAAAAAAAeAAAAAEAAABAAAAAAAAAAAAAAABaAAAAAAAAAAAAAAAAAAAAAAAAAAAAAAAAAAAAAAAAAAAAAAAAAAAAAAAAAAAAAAAAAAAAAAAAAAAAAAAAAAAAAAAAAAAAAAAAAAAAFAAAADwAAAAAAAAAAAAAAAAAAAAPAAAAAQAAACMAAAAjAAAAIwAAAB4AAAAAAAAAZAAAAGQAAAAAAAAAZAAAAGQAAAAVAAAAYAAAAAAAAAAAAAAADwAAACADAAAAAAAAAAAAAAEAAACgMgAAVgcAAKr4//8BAAAAf39/AAEAAABkAAAAAAAAABQAAABAHwAAAAAAACYAAAAAAAAAwOD//wAAAAAmAAAAZAAAABYAAABMAAAAAAAAAAAAAAAEAAAAAAAAAAEAAADu7OEKAAAAACgAAAAoAAAAZAAAAGQAAAAAAAAAzMzMAAAAAABQAAAAUAAAAGQAAABkAAAAAAAAABcAAAAUAAAAAAAAAAAAAAD/fwAA/38AAAAAAAAJAAAABAAAAAAAAAAMAAAAEAAAAAAAAAAAAAAAAAAAAAAAAAAeAAAAaAAAAAAAAAAAAAAAAAAAAAAAAAAAAAAAECcAABAnAAAAAAAAAAAAAAAAAAAAAAAAAAAAAAAAAAAAAAAAAAAAABQAAAAAAAAAwMD/AAAAAABkAAAAMgAAAAAAAABkAAAAAAAAAH9/fwAKAAAAHwAAAFQAAAD///8A////AQAAAAAAAAAAAAAAAAAAAAAAAAAAAAAAAAAAAAAAAAAAAAAAAH9/fwDu7OEDzMzMAMDA/wB/f38AAAAAAAAAAAAAAAAAAAAAAAAAAAAhAAAAGAAAABQAAADqAQAA4DgAAPAKAACYOgAAEAAAACYAAAAIAAAAAAAAAAAAAAA="/>
+                <pr:smNativeData xmlns:pr="smNativeData" xmlns:p14="http://schemas.microsoft.com/office/powerpoint/2010/main" xmlns="" val="SMDATA_13_eIVQYBMAAAAlAAAAZAAAAA0AAAAAAAAAAAAAAAAAAAAAAAAAAAAAAAAAAAAAAAAAAAEAAABQAAAAAAAAAAAA4D8AAAAAAADgPwAAAAAAAOA/AAAAAAAA4D8AAAAAAADgPwAAAAAAAOA/AAAAAAAA4D8AAAAAAADgPwAAAAAAAOA/AAAAAAAA4D8CAAAAjAAAAAAAAAAAAAAA////AP///wgAAAAAAAAAAAAAAAAAAAAAAAAAAAAAAAAAAAAAeAAAAAEAAABAAAAAAAAAAAAAAABaAAAAAAAAAAAAAAAAAAAAAAAAAAAAAAAAAAAAAAAAAAAAAAAAAAAAAAAAAAAAAAAAAAAAAAAAAAAAAAAAAAAAAAAAAAAAAAAAAAAAFAAAADwAAAAAAAAAAAAAAAAAAAAPAAAAAQAAACMAAAAjAAAAIwAAAB4AAAAAAAAAZAAAAGQAAAAAAAAAZAAAAGQAAAAVAAAAYAAAAAAAAAAAAAAADwAAACADAAAAAAAAAAAAAAEAAACgMgAAVgcAAKr4//8BAAAAf39/AAEAAABkAAAAAAAAABQAAABAHwAAAAAAACYAAAAAAAAAwOD//wAAAAAmAAAAZAAAABYAAABMAAAAAAAAAAAAAAAEAAAAAAAAAAEAAADu7OEKAAAAACgAAAAoAAAAZAAAAGQAAAAAAAAAzMzMAAAAAABQAAAAUAAAAGQAAABkAAAAAAAAABcAAAAUAAAAAAAAAAAAAAD/fwAA/38AAAAAAAAJAAAABAAAAAAAAAAMAAAAEAAAAAAAAAAAAAAAAAAAAAAAAAAeAAAAaAAAAAAAAAAAAAAAAAAAAAAAAAAAAAAAECcAABAnAAAAAAAAAAAAAAAAAAAAAAAAAAAAAAAAAAAAAAAAAAAAABQAAAAAAAAAwMD/AAAAAABkAAAAMgAAAAAAAABkAAAAAAAAAH9/fwAKAAAAHwAAAFQAAAD///8A////AQAAAAAAAAAAAAAAAAAAAAAAAAAAAAAAAAAAAAAAAAAAAAAAAH9/fwDu7OEDzMzMAMDA/wB/f38AAAAAAAAAAAAAAAAAAAAAAAAAAAAhAAAAGAAAABQAAADqAQAA4DgAAPAKAACYOgAAEAAAACYAAAAIAAAAAAAAAAAAAAA="/>
               </a:ext>
             </a:extLst>
           </p:cNvSpPr>
@@ -5148,7 +5251,7 @@
             <a:spLocks noGrp="1" noChangeArrowheads="1"/>
             <a:extLst>
               <a:ext uri="smNativeData">
-                <pr:smNativeData xmlns:pr="smNativeData" val="SMDATA_13_eIVQYBMAAAAlAAAAZAAAAA0AAAAAAAAAAAAAAAAAAAAAAAAAAAAAAAAAAAAAAAAAAAEAAABQAAAAAAAAAAAA4D8AAAAAAADgPwAAAAAAAOA/AAAAAAAA4D8AAAAAAADgPwAAAAAAAOA/AAAAAAAA4D8AAAAAAADgPwAAAAAAAOA/AAAAAAAA4D8CAAAAjAAAAAAAAAAAAAAA////AP///wgAAAAAAAAAAAAAAAAAAAAAAAAAAAAAAAAAAAAAeAAAAAEAAABAAAAAAAAAAAAAAABaAAAAAAAAAAAAAAAAAAAAAAAAAAAAAAAAAAAAAAAAAAAAAAAAAAAAAAAAAAAAAAAAAAAAAAAAAAAAAAAAAAAAAAAAAAAAAAAAAAAAFAAAADwAAAAAAAAAAAAAAAAAAAAPAAAAAQAAACMAAAAjAAAAIwAAAB4AAAAAAAAAZAAAAGQAAAAAAAAAZAAAAGQAAAAVAAAAYAAAAAAAAAAAAAAADwAAACADAAAAAAAAAAAAAAEAAACgMgAAVgcAAKr4//8BAAAAf39/AAEAAABkAAAAAAAAABQAAABAHwAAAAAAACYAAAAAAAAAwOD//wAAAAAmAAAAZAAAABYAAABMAAAAAAAAAAAAAAAEAAAAAAAAAAEAAADu7OEKAAAAACgAAAAoAAAAZAAAAGQAAAAAAAAAzMzMAAAAAABQAAAAUAAAAGQAAABkAAAAAAAAABcAAAAUAAAAAAAAAAAAAAD/fwAA/38AAAAAAAAJAAAABAAAAPw8XMEMAAAAEAAAAAAAAAAAAAAAAAAAAAAAAAAeAAAAaAAAAAAAAAAAAAAAAAAAAAAAAAAAAAAAECcAABAnAAAAAAAAAAAAAAAAAAAAAAAAAAAAAAAAAAAAAAAAAAAAABQAAAAAAAAAwMD/AAAAAABkAAAAMgAAAAAAAABkAAAAAAAAAH9/fwAKAAAAHwAAAFQAAAD///8A////AQAAAAAAAAAAAAAAAAAAAAAAAAAAAAAAAAAAAAAAAAAAAAAAAH9/fwDu7OEDzMzMAMDA/wB/f38AAAAAAAAAAAAAAAAAAAAAAAAAAAAhAAAAGAAAABQAAADQSAAAGDkAABZOAACYOgAAEAAAACYAAAAIAAAAAAAAAAAAAAA="/>
+                <pr:smNativeData xmlns:pr="smNativeData" xmlns:p14="http://schemas.microsoft.com/office/powerpoint/2010/main" xmlns="" val="SMDATA_13_eIVQYBMAAAAlAAAAZAAAAA0AAAAAAAAAAAAAAAAAAAAAAAAAAAAAAAAAAAAAAAAAAAEAAABQAAAAAAAAAAAA4D8AAAAAAADgPwAAAAAAAOA/AAAAAAAA4D8AAAAAAADgPwAAAAAAAOA/AAAAAAAA4D8AAAAAAADgPwAAAAAAAOA/AAAAAAAA4D8CAAAAjAAAAAAAAAAAAAAA////AP///wgAAAAAAAAAAAAAAAAAAAAAAAAAAAAAAAAAAAAAeAAAAAEAAABAAAAAAAAAAAAAAABaAAAAAAAAAAAAAAAAAAAAAAAAAAAAAAAAAAAAAAAAAAAAAAAAAAAAAAAAAAAAAAAAAAAAAAAAAAAAAAAAAAAAAAAAAAAAAAAAAAAAFAAAADwAAAAAAAAAAAAAAAAAAAAPAAAAAQAAACMAAAAjAAAAIwAAAB4AAAAAAAAAZAAAAGQAAAAAAAAAZAAAAGQAAAAVAAAAYAAAAAAAAAAAAAAADwAAACADAAAAAAAAAAAAAAEAAACgMgAAVgcAAKr4//8BAAAAf39/AAEAAABkAAAAAAAAABQAAABAHwAAAAAAACYAAAAAAAAAwOD//wAAAAAmAAAAZAAAABYAAABMAAAAAAAAAAAAAAAEAAAAAAAAAAEAAADu7OEKAAAAACgAAAAoAAAAZAAAAGQAAAAAAAAAzMzMAAAAAABQAAAAUAAAAGQAAABkAAAAAAAAABcAAAAUAAAAAAAAAAAAAAD/fwAA/38AAAAAAAAJAAAABAAAAAAAAAAMAAAAEAAAAAAAAAAAAAAAAAAAAAAAAAAeAAAAaAAAAAAAAAAAAAAAAAAAAAAAAAAAAAAAECcAABAnAAAAAAAAAAAAAAAAAAAAAAAAAAAAAAAAAAAAAAAAAAAAABQAAAAAAAAAwMD/AAAAAABkAAAAMgAAAAAAAABkAAAAAAAAAH9/fwAKAAAAHwAAAFQAAAD///8A////AQAAAAAAAAAAAAAAAAAAAAAAAAAAAAAAAAAAAAAAAAAAAAAAAH9/fwDu7OEDzMzMAMDA/wB/f38AAAAAAAAAAAAAAAAAAAAAAAAAAAAhAAAAGAAAABQAAADQSAAAGDkAABZOAACYOgAAEAAAACYAAAAIAAAAAAAAAAAAAAA="/>
               </a:ext>
             </a:extLst>
           </p:cNvSpPr>
@@ -5164,9 +5267,10 @@
             <a:pPr>
               <a:defRPr lang="de-de"/>
             </a:pPr>
-            <a:fld id="{2F32C17E-30C2-6737-8C8A-C6628FC47A93}" type="slidenum">
+            <a:fld id="{656E3B5A-1488-3BCD-C6D6-E298759830B7}" type="slidenum">
               <a:t>11</a:t>
             </a:fld>
+            <a:endParaRPr/>
           </a:p>
         </p:txBody>
       </p:sp>
@@ -5177,7 +5281,7 @@
             <a:picLocks noChangeAspect="1"/>
             <a:extLst>
               <a:ext uri="smNativeData">
-                <pr:smNativeData xmlns:pr="smNativeData" val="SMDATA_15_eIVQYBMAAAAlAAAAEQAAAC0AAAAAkAAAAEgAAACQAAAASAAAAAAAAAAAAAAAAAAAAAEAAABQAAAAAAAAAAAA4D8AAAAAAADgPwAAAAAAAOA/AAAAAAAA4D8AAAAAAADgPwAAAAAAAOA/AAAAAAAA4D8AAAAAAADgPwAAAAAAAOA/AAAAAAAA4D8CAAAAjAAAAAAAAAAAAAAAT4G9DP///wgAAAAAAAAAAAAAAAAAAAAAAAAAAAAAAAAAAAAAZAAAAAEAAABAAAAAAAAAAAAAAAAAAAAAAAAAAAAAAAAAAAAAAAAAAAAAAAAAAAAAAAAAAAAAAAAAAAAAAAAAAAAAAAAAAAAAAAAAAAAAAAAAAAAAAAAAAAAAAAAAAAAAFAAAADwAAAAAAAAAAAAAAAAAAAkUAAAAAQAAABQAAAAUAAAAFAAAAAEAAAAAAAAAZAAAAGQAAAAAAAAAZAAAAGQAAAAVAAAAYAAAAAAAAAAAAAAADwAAACADAAAAAAAAAAAAAAEAAACgMgAAVgcAAKr4//8BAAAAf39/AAEAAABkAAAAAAAAABQAAABAHwAAAAAAACYAAAAAAAAAwOD//wAAAAAmAAAAZAAAABYAAABMAAAAAAAAAAAAAAAEAAAAAAAAAAEAAADu7OEKAAAAACgAAAAoAAAAZAAAAGQAAAAAAAAAzMzMAAAAAABQAAAAUAAAAGQAAABkAAAAAAAAAAcAAAA4AAAAAAAAAAAAAAAAAAAA////AAAAAAAAAAAAAAAAAAAAAAAAAAAAAAAAAAAAAABkAAAAZAAAAAAAAAAjAAAABAAAAGQAAAAXAAAAFAAAAAAAAAAAAAAA/38AAP9/AAAAAAAACQAAAAQAAABSID8/DAAAABAAAAAAAAAAAAAAAAAAAAAAAAAAHgAAAGgAAAAAAAAAAAAAAAAAAAAAAAAAAAAAABAnAAAQJwAAAAAAAAAAAAAAAAAAAAAAAAAAAAAAAAAAAAAAAAAAAAAUAAAAAAAAAMDA/wAAAAAAZAAAADIAAAAAAAAAZAAAAAAAAAB/f38ACgAAAB8AAABUAAAAT4G9Bf///wEAAAAAAAAAAAAAAAAAAAAAAAAAAAAAAAAAAAAAAAAAAAAAAAJ/f38A7uzhA8zMzADAwP8Af39/AAAAAAAAAAAAAAAAAP///wAAAAAAIQAAABgAAAAUAAAAEiQAADMRAABENwAAZSQAABAAAAAmAAAACAAAAP//////////"/>
+                <pr:smNativeData xmlns:pr="smNativeData" xmlns:p14="http://schemas.microsoft.com/office/powerpoint/2010/main" xmlns="" val="SMDATA_15_eIVQYBMAAAAlAAAAEQAAAC0AAAAAkAAAAEgAAACQAAAASAAAAAAAAAAAAAAAAAAAAAEAAABQAAAAAAAAAAAA4D8AAAAAAADgPwAAAAAAAOA/AAAAAAAA4D8AAAAAAADgPwAAAAAAAOA/AAAAAAAA4D8AAAAAAADgPwAAAAAAAOA/AAAAAAAA4D8CAAAAjAAAAAAAAAAAAAAAT4G9DP///wgAAAAAAAAAAAAAAAAAAAAAAAAAAAAAAAAAAAAAZAAAAAEAAABAAAAAAAAAAAAAAAAAAAAAAAAAAAAAAAAAAAAAAAAAAAAAAAAAAAAAAAAAAAAAAAAAAAAAAAAAAAAAAAAAAAAAAAAAAAAAAAAAAAAAAAAAAAAAAAAAAAAAFAAAADwAAAAAAAAAAAAAAAAAAAkUAAAAAQAAABQAAAAUAAAAFAAAAAEAAAAAAAAAZAAAAGQAAAAAAAAAZAAAAGQAAAAVAAAAYAAAAAAAAAAAAAAADwAAACADAAAAAAAAAAAAAAEAAACgMgAAVgcAAKr4//8BAAAAf39/AAEAAABkAAAAAAAAABQAAABAHwAAAAAAACYAAAAAAAAAwOD//wAAAAAmAAAAZAAAABYAAABMAAAAAAAAAAAAAAAEAAAAAAAAAAEAAADu7OEKAAAAACgAAAAoAAAAZAAAAGQAAAAAAAAAzMzMAAAAAABQAAAAUAAAAGQAAABkAAAAAAAAAAcAAAA4AAAAAAAAAAAAAAAAAAAA////AAAAAAAAAAAAAAAAAAAAAAAAAAAAAAAAAAAAAABkAAAAZAAAAAAAAAAjAAAABAAAAGQAAAAXAAAAFAAAAAAAAAAAAAAA/38AAP9/AAAAAAAACQAAAAQAAAAAAAAADAAAABAAAAAAAAAAAAAAAAAAAAAAAAAAHgAAAGgAAAAAAAAAAAAAAAAAAAAAAAAAAAAAABAnAAAQJwAAAAAAAAAAAAAAAAAAAAAAAAAAAAAAAAAAAAAAAAAAAAAUAAAAAAAAAMDA/wAAAAAAZAAAADIAAAAAAAAAZAAAAAAAAAB/f38ACgAAAB8AAABUAAAAT4G9Bf///wEAAAAAAAAAAAAAAAAAAAAAAAAAAAAAAAAAAAAAAAAAAAAAAAJ/f38A7uzhA8zMzADAwP8Af39/AAAAAAAAAAAAAAAAAP///wAAAAAAIQAAABgAAAAUAAAAlTkAAMIQAABzSwAAoCIAABAAAAAmAAAACAAAAP//////////"/>
               </a:ext>
             </a:extLst>
           </p:cNvPicPr>
@@ -5191,8 +5295,8 @@
         </p:blipFill>
         <p:spPr>
           <a:xfrm>
-            <a:off x="5863590" y="2795905"/>
-            <a:ext cx="3120390" cy="3120390"/>
+            <a:off x="9360535" y="2724150"/>
+            <a:ext cx="2904490" cy="2904490"/>
           </a:xfrm>
           <a:prstGeom prst="rect">
             <a:avLst/>
@@ -5211,7 +5315,7 @@
             <a:picLocks noChangeAspect="1"/>
             <a:extLst>
               <a:ext uri="smNativeData">
-                <pr:smNativeData xmlns:pr="smNativeData" val="SMDATA_15_eIVQYBMAAAAlAAAAEQAAAC0AAAAAkAAAAEgAAACQAAAASAAAAAAAAAAAAAAAAAAAAAEAAABQAAAAAAAAAAAA4D8AAAAAAADgPwAAAAAAAOA/AAAAAAAA4D8AAAAAAADgPwAAAAAAAOA/AAAAAAAA4D8AAAAAAADgPwAAAAAAAOA/AAAAAAAA4D8CAAAAjAAAAAAAAAAAAAAAT4G9DP///wgAAAAAAAAAAAAAAAAAAAAAAAAAAAAAAAAAAAAAZAAAAAEAAABAAAAAAAAAAAAAAAAAAAAAAAAAAAAAAAAAAAAAAAAAAAAAAAAAAAAAAAAAAAAAAAAAAAAAAAAAAAAAAAAAAAAAAAAAAAAAAAAAAAAAAAAAAAAAAAAAAAAAFAAAADwAAAAAAAAAAAAAAAAAAAkUAAAAAQAAABQAAAAUAAAAFAAAAAEAAAAAAAAAZAAAAGQAAAAAAAAAZAAAAGQAAAAVAAAAYAAAAAAAAAAAAAAADwAAACADAAAAAAAAAAAAAAEAAACgMgAAVgcAAKr4//8BAAAAf39/AAEAAABkAAAAAAAAABQAAABAHwAAAAAAACYAAAAAAAAAwOD//wAAAAAmAAAAZAAAABYAAABMAAAAAAAAAAAAAAAEAAAAAAAAAAEAAADu7OEKAAAAACgAAAAoAAAAZAAAAGQAAAAAAAAAzMzMAAAAAABQAAAAUAAAAGQAAABkAAAAAAAAAAcAAAA4AAAAAAAAAAAAAAAAAAAA////AAAAAAAAAAAAAAAAAAAAAAAAAAAAAAAAAAAAAABkAAAAZAAAAAAAAAAjAAAABAAAAGQAAAAXAAAAFAAAAAAAAAAAAAAA/38AAP9/AAAAAAAACQAAAAQAAAAAAAAADAAAABAAAAAAAAAAAAAAAAAAAAAAAAAAHgAAAGgAAAAAAAAAAAAAAAAAAAAAAAAAAAAAABAnAAAQJwAAAAAAAAAAAAAAAAAAAAAAAAAAAAAAAAAAAAAAAAAAAAAUAAAAAAAAAMDA/wAAAAAAZAAAADIAAAAAAAAAZAAAAAAAAAB/f38ACgAAAB8AAABUAAAAT4G9Bf///wEAAAAAAAAAAAAAAAAAAAAAAAAAAAAAAAAAAAAAAAAAAAAAAAJ/f38A7uzhA8zMzADAwP8Af39/AAAAAAAAAAAAAAAAAP///wAAAAAAIQAAABgAAAAUAAAAGToAADMRAABLTQAAZSQAABAAAAAmAAAACAAAAP//////////"/>
+                <pr:smNativeData xmlns:pr="smNativeData" xmlns:p14="http://schemas.microsoft.com/office/powerpoint/2010/main" xmlns="" val="SMDATA_15_eIVQYBMAAAAlAAAAEQAAAC0AAAAAkAAAAEgAAACQAAAASAAAAAAAAAAAAAAAAAAAAAEAAABQAAAAAAAAAAAA4D8AAAAAAADgPwAAAAAAAOA/AAAAAAAA4D8AAAAAAADgPwAAAAAAAOA/AAAAAAAA4D8AAAAAAADgPwAAAAAAAOA/AAAAAAAA4D8CAAAAjAAAAAAAAAAAAAAAT4G9DP///wgAAAAAAAAAAAAAAAAAAAAAAAAAAAAAAAAAAAAAZAAAAAEAAABAAAAAAAAAAAAAAAAAAAAAAAAAAAAAAAAAAAAAAAAAAAAAAAAAAAAAAAAAAAAAAAAAAAAAAAAAAAAAAAAAAAAAAAAAAAAAAAAAAAAAAAAAAAAAAAAAAAAAFAAAADwAAAAAAAAAAAAAAAAAAAkUAAAAAQAAABQAAAAUAAAAFAAAAAEAAAAAAAAAZAAAAGQAAAAAAAAAZAAAAGQAAAAVAAAAYAAAAAAAAAAAAAAADwAAACADAAAAAAAAAAAAAAEAAACgMgAAVgcAAKr4//8BAAAAf39/AAEAAABkAAAAAAAAABQAAABAHwAAAAAAACYAAAAAAAAAwOD//wAAAAAmAAAAZAAAABYAAABMAAAAAAAAAAAAAAAEAAAAAAAAAAEAAADu7OEKAAAAACgAAAAoAAAAZAAAAGQAAAAAAAAAzMzMAAAAAABQAAAAUAAAAGQAAABkAAAAAAAAAAcAAAA4AAAAAAAAAAAAAAAAAAAA////AAAAAAAAAAAAAAAAAAAAAAAAAAAAAAAAAAAAAABkAAAAZAAAAAAAAAAjAAAABAAAAGQAAAAXAAAAFAAAAAAAAAAAAAAA/38AAP9/AAAAAAAACQAAAAQAAAAAAAAADAAAABAAAAAAAAAAAAAAAAAAAAAAAAAAHgAAAGgAAAAAAAAAAAAAAAAAAAAAAAAAAAAAABAnAAAQJwAAAAAAAAAAAAAAAAAAAAAAAAAAAAAAAAAAAAAAAAAAAAAUAAAAAAAAAMDA/wAAAAAAZAAAADIAAAAAAAAAZAAAAAAAAAB/f38ACgAAAB8AAABUAAAAT4G9Bf///wEAAAAAAAAAAAAAAAAAAAAAAAAAAAAAAAAAAAAAAAAAAAAAAAJ/f38A7uzhA8zMzADAwP8Af39/AAAAAAAAAAAAAAAAAP///wAAAAAAIQAAABgAAAAUAAAA5yQAAMIQAADFNgAAoCIAABAAAAAmAAAACAAAAP//////////"/>
               </a:ext>
             </a:extLst>
           </p:cNvPicPr>
@@ -5225,8 +5329,8 @@
         </p:blipFill>
         <p:spPr>
           <a:xfrm>
-            <a:off x="9444355" y="2795905"/>
-            <a:ext cx="3120390" cy="3120390"/>
+            <a:off x="5998845" y="2724150"/>
+            <a:ext cx="2904490" cy="2904490"/>
           </a:xfrm>
           <a:prstGeom prst="rect">
             <a:avLst/>
@@ -5245,7 +5349,7 @@
             <a:picLocks noChangeAspect="1"/>
             <a:extLst>
               <a:ext uri="smNativeData">
-                <pr:smNativeData xmlns:pr="smNativeData" val="SMDATA_15_eIVQYBMAAAAlAAAAEQAAAC0AAAAAkAAAAEgAAACQAAAASAAAAAAAAAAAAAAAAAAAAAEAAABQAAAAAAAAAAAA4D8AAAAAAADgPwAAAAAAAOA/AAAAAAAA4D8AAAAAAADgPwAAAAAAAOA/AAAAAAAA4D8AAAAAAADgPwAAAAAAAOA/AAAAAAAA4D8CAAAAjAAAAAAAAAAAAAAAT4G9DP///wgAAAAAAAAAAAAAAAAAAAAAAAAAAAAAAAAAAAAAZAAAAAEAAABAAAAAAAAAAAAAAAAAAAAAAAAAAAAAAAAAAAAAAAAAAAAAAAAAAAAAAAAAAAAAAAAAAAAAAAAAAAAAAAAAAAAAAAAAAAAAAAAAAAAAAAAAAAAAAAAAAAAAFAAAADwAAAAAAAAAAAAAAAAAAAkUAAAAAQAAABQAAAAUAAAAFAAAAAEAAAAAAAAAZAAAAGQAAAAAAAAAZAAAAGQAAAAVAAAAYAAAAAAAAAAAAAAADwAAACADAAAAAAAAAAAAAAEAAACgMgAAVgcAAKr4//8BAAAAf39/AAEAAABkAAAAAAAAABQAAABAHwAAAAAAACYAAAAAAAAAwOD//wAAAAAmAAAAZAAAABYAAABMAAAAAAAAAAAAAAAEAAAAAAAAAAEAAADu7OEKAAAAACgAAAAoAAAAZAAAAGQAAAAAAAAAzMzMAAAAAABQAAAAUAAAAGQAAABkAAAAAAAAAAcAAAA4AAAAAAAAAAAAAAAAAAAA////AAAAAAAAAAAAAAAAAAAAAAAAAAAAAAAAAAAAAABkAAAAZAAAAAAAAAAjAAAABAAAAGQAAAAXAAAAFAAAAAAAAAAAAAAA/38AAP9/AAAAAAAACQAAAAQAAAAAAAAADAAAABAAAAAAAAAAAAAAAAAAAAAAAAAAHgAAAGgAAAAAAAAAAAAAAAAAAAAAAAAAAAAAABAnAAAQJwAAAAAAAAAAAAAAAAAAAAAAAAAAAAAAAAAAAAAAAAAAAAAUAAAAAAAAAMDA/wAAAAAAZAAAADIAAAAAAAAAZAAAAAAAAAB/f38ACgAAAB8AAABUAAAAT4G9Bf///wEAAAAAAAAAAAAAAAAAAAAAAAAAAAAAAAAAAAAAAAAAAAAAAAJ/f38A7uzhA8zMzADAwP8Af39/AAAAAAAAAAAAAAAAAP///wAAAAAAIQAAABgAAAAUAAAAFS8AAOUiAABHQgAAFzYAABAAAAAmAAAACAAAAP//////////"/>
+                <pr:smNativeData xmlns:pr="smNativeData" xmlns:p14="http://schemas.microsoft.com/office/powerpoint/2010/main" xmlns="" val="SMDATA_15_eIVQYBMAAAAlAAAAEQAAAC0AAAAAkAAAAEgAAACQAAAASAAAAAAAAAAAAAAAAAAAAAEAAABQAAAAAAAAAAAA4D8AAAAAAADgPwAAAAAAAOA/AAAAAAAA4D8AAAAAAADgPwAAAAAAAOA/AAAAAAAA4D8AAAAAAADgPwAAAAAAAOA/AAAAAAAA4D8CAAAAjAAAAAAAAAAAAAAAT4G9DP///wgAAAAAAAAAAAAAAAAAAAAAAAAAAAAAAAAAAAAAZAAAAAEAAABAAAAAAAAAAAAAAAAAAAAAAAAAAAAAAAAAAAAAAAAAAAAAAAAAAAAAAAAAAAAAAAAAAAAAAAAAAAAAAAAAAAAAAAAAAAAAAAAAAAAAAAAAAAAAAAAAAAAAFAAAADwAAAAAAAAAAAAAAAAAAAkUAAAAAQAAABQAAAAUAAAAFAAAAAEAAAAAAAAAZAAAAGQAAAAAAAAAZAAAAGQAAAAVAAAAYAAAAAAAAAAAAAAADwAAACADAAAAAAAAAAAAAAEAAACgMgAAVgcAAKr4//8BAAAAf39/AAEAAABkAAAAAAAAABQAAABAHwAAAAAAACYAAAAAAAAAwOD//wAAAAAmAAAAZAAAABYAAABMAAAAAAAAAAAAAAAEAAAAAAAAAAEAAADu7OEKAAAAACgAAAAoAAAAZAAAAGQAAAAAAAAAzMzMAAAAAABQAAAAUAAAAGQAAABkAAAAAAAAAAcAAAA4AAAAAAAAAAAAAAAAAAAA////AAAAAAAAAAAAAAAAAAAAAAAAAAAAAAAAAAAAAABkAAAAZAAAAAAAAAAjAAAABAAAAGQAAAAXAAAAFAAAAAAAAAAAAAAA/38AAP9/AAAAAAAACQAAAAQAAAAAAAAADAAAABAAAAAAAAAAAAAAAAAAAAAAAAAAHgAAAGgAAAAAAAAAAAAAAAAAAAAAAAAAAAAAABAnAAAQJwAAAAAAAAAAAAAAAAAAAAAAAAAAAAAAAAAAAAAAAAAAAAAUAAAAAAAAAMDA/wAAAAAAZAAAADIAAAAAAAAAZAAAAAAAAAB/f38ACgAAAB8AAABUAAAAT4G9Bf///wEAAAAAAAAAAAAAAAAAAAAAAAAAAAAAAAAAAAAAAAAAAAAAAAJ/f38A7uzhA8zMzADAwP8Af39/AAAAAAAAAAAAAAAAAP///wAAAAAAIQAAABgAAAAUAAAAPi8AAIMiAAAcQQAAYTQAABAAAAAmAAAACAAAAP//////////"/>
               </a:ext>
             </a:extLst>
           </p:cNvPicPr>
@@ -5259,8 +5363,8 @@
         </p:blipFill>
         <p:spPr>
           <a:xfrm>
-            <a:off x="7653655" y="5672455"/>
-            <a:ext cx="3120390" cy="3120390"/>
+            <a:off x="7679690" y="5610225"/>
+            <a:ext cx="2904490" cy="2904490"/>
           </a:xfrm>
           <a:prstGeom prst="rect">
             <a:avLst/>
@@ -5277,18 +5381,11 @@
   <p:clrMapOvr>
     <a:masterClrMapping/>
   </p:clrMapOvr>
-  <p:timing>
-    <p:tnLst>
-      <p:par>
-        <p:cTn id="1" dur="indefinite" restart="never" nodeType="tmRoot"/>
-      </p:par>
-    </p:tnLst>
-  </p:timing>
 </p:sld>
 </file>
 
 <file path=ppt/slides/slide12.xml><?xml version="1.0" encoding="utf-8"?>
-<p:sld xmlns:p="http://schemas.openxmlformats.org/presentationml/2006/main" xmlns:p14="http://schemas.microsoft.com/office/powerpoint/2010/main" xmlns:r="http://schemas.openxmlformats.org/officeDocument/2006/relationships" xmlns:a="http://schemas.openxmlformats.org/drawingml/2006/main">
+<p:sld xmlns:a="http://schemas.openxmlformats.org/drawingml/2006/main" xmlns:r="http://schemas.openxmlformats.org/officeDocument/2006/relationships" xmlns:p="http://schemas.openxmlformats.org/presentationml/2006/main">
   <p:cSld>
     <p:spTree>
       <p:nvGrpSpPr>
@@ -5311,7 +5408,7 @@
             <a:spLocks noGrp="1" noChangeArrowheads="1"/>
             <a:extLst>
               <a:ext uri="smNativeData">
-                <pr:smNativeData xmlns:pr="smNativeData" val="SMDATA_13_eIVQYBMAAAAlAAAAZAAAAA0AAAAAAAAAAAAAAAAAAAAAAAAAAAAAAAAAAAAAAAAAAAEAAABQAAAAAAAAAAAA4D8AAAAAAADgPwAAAAAAAOA/AAAAAAAA4D8AAAAAAADgPwAAAAAAAOA/AAAAAAAA4D8AAAAAAADgPwAAAAAAAOA/AAAAAAAA4D8CAAAAjAAAAAAAAAAAAAAA////AP///wgAAAAAAAAAAAAAAAAAAAAAAAAAAAAAAAAAAAAAeAAAAAEAAABAAAAAAAAAAAAAAABaAAAAAAAAAAAAAAAAAAAAAAAAAAAAAAAAAAAAAAAAAAAAAAAAAAAAAAAAAAAAAAAAAAAAAAAAAAAAAAAAAAAAAAAAAAAAAAAAAAAAFAAAADwAAAAAAAAAAAAAAAAAAAAPAAAAAQAAACMAAAAjAAAAIwAAAB4AAAAAAAAAZAAAAGQAAAAAAAAAZAAAAGQAAAAVAAAAYAAAAAAAAAAAAAAADwAAACADAAAAAAAAAAAAAAEAAACgMgAAVgcAAKr4//8BAAAAf39/AAEAAABkAAAAAAAAABQAAABAHwAAAAAAACYAAAAAAAAAwOD//wAAAAAmAAAAZAAAABYAAABMAAAAAAAAAAAAAAAEAAAAAAAAAAEAAADu7OEKAAAAACgAAAAoAAAAZAAAAGQAAAAAAAAAzMzMAAAAAABQAAAAUAAAAGQAAABkAAAAAAAAABcAAAAUAAAAAAAAAAAAAAD/fwAA/38AAAAAAAAJAAAABAAAAGyRchUMAAAAEAAAAAAAAAAAAAAAAAAAAAAAAAAeAAAAaAAAAAAAAAAAAAAAAAAAAAAAAAAAAAAAECcAABAnAAAAAAAAAAAAAAAAAAAAAAAAAAAAAAAAAAAAAAAAAAAAABQAAAAAAAAAwMD/AAAAAABkAAAAMgAAAAAAAABkAAAAAAAAAH9/fwAKAAAAHwAAAFQAAAD///8A////AQAAAAAAAAAAAAAAAAAAAAAAAAAAAAAAAAAAAAAAAAAAAAAAAH9/fwDu7OEDzMzMAMDA/wB/f38AAAAAAAAAAAAAAAAAAAAAAAAAAAAhAAAAGAAAABQAAADIBQAAiQsAAHpIAACpDwAAEAAAACYAAAAIAAAAAQAAAAAAAAA="/>
+                <pr:smNativeData xmlns:pr="smNativeData" xmlns:p14="http://schemas.microsoft.com/office/powerpoint/2010/main" xmlns="" val="SMDATA_13_eIVQYBMAAAAlAAAAZAAAAA0AAAAAAAAAAAAAAAAAAAAAAAAAAAAAAAAAAAAAAAAAAAEAAABQAAAAAAAAAAAA4D8AAAAAAADgPwAAAAAAAOA/AAAAAAAA4D8AAAAAAADgPwAAAAAAAOA/AAAAAAAA4D8AAAAAAADgPwAAAAAAAOA/AAAAAAAA4D8CAAAAjAAAAAAAAAAAAAAA////AP///wgAAAAAAAAAAAAAAAAAAAAAAAAAAAAAAAAAAAAAeAAAAAEAAABAAAAAAAAAAAAAAABaAAAAAAAAAAAAAAAAAAAAAAAAAAAAAAAAAAAAAAAAAAAAAAAAAAAAAAAAAAAAAAAAAAAAAAAAAAAAAAAAAAAAAAAAAAAAAAAAAAAAFAAAADwAAAAAAAAAAAAAAAAAAAAPAAAAAQAAACMAAAAjAAAAIwAAAB4AAAAAAAAAZAAAAGQAAAAAAAAAZAAAAGQAAAAVAAAAYAAAAAAAAAAAAAAADwAAACADAAAAAAAAAAAAAAEAAACgMgAAVgcAAKr4//8BAAAAf39/AAEAAABkAAAAAAAAABQAAABAHwAAAAAAACYAAAAAAAAAwOD//wAAAAAmAAAAZAAAABYAAABMAAAAAAAAAAAAAAAEAAAAAAAAAAEAAADu7OEKAAAAACgAAAAoAAAAZAAAAGQAAAAAAAAAzMzMAAAAAABQAAAAUAAAAGQAAABkAAAAAAAAABcAAAAUAAAAAAAAAAAAAAD/fwAA/38AAAAAAAAJAAAABAAAAAAAAAAMAAAAEAAAAAAAAAAAAAAAAAAAAAAAAAAeAAAAaAAAAAAAAAAAAAAAAAAAAAAAAAAAAAAAECcAABAnAAAAAAAAAAAAAAAAAAAAAAAAAAAAAAAAAAAAAAAAAAAAABQAAAAAAAAAwMD/AAAAAABkAAAAMgAAAAAAAABkAAAAAAAAAH9/fwAKAAAAHwAAAFQAAAD///8A////AQAAAAAAAAAAAAAAAAAAAAAAAAAAAAAAAAAAAAAAAAAAAAAAAH9/fwDu7OEDzMzMAMDA/wB/f38AAAAAAAAAAAAAAAAAAAAAAAAAAAAhAAAAGAAAABQAAADIBQAAiQsAAHpIAACpDwAAEAAAACYAAAAIAAAAAQAAAAAAAAA="/>
               </a:ext>
             </a:extLst>
           </p:cNvSpPr>
@@ -5333,7 +5430,8 @@
               <a:defRPr lang="en-gb"/>
             </a:pPr>
             <a:r>
-              <a:t>Approach – Main application</a:t>
+              <a:rPr dirty="0"/>
+              <a:t>Approach – Watch Face</a:t>
             </a:r>
           </a:p>
         </p:txBody>
@@ -5345,7 +5443,7 @@
             <a:spLocks noGrp="1" noChangeArrowheads="1"/>
             <a:extLst>
               <a:ext uri="smNativeData">
-                <pr:smNativeData xmlns:pr="smNativeData" val="SMDATA_13_eIVQYBMAAAAlAAAAZAAAAA0AAAAAAAAAAAAAAAAAAAAAAAAAAAAAAAAAAAAAAAAAAAEAAABQAAAAAAAAAAAA4D8AAAAAAADgPwAAAAAAAOA/AAAAAAAA4D8AAAAAAADgPwAAAAAAAOA/AAAAAAAA4D8AAAAAAADgPwAAAAAAAOA/AAAAAAAA4D8CAAAAjAAAAAAAAAAAAAAA////AP///wgAAAAAAAAAAAAAAAAAAAAAAAAAAAAAAAAAAAAAeAAAAAEAAABAAAAAAAAAAAAAAABaAAAAAAAAAAAAAAAAAAAAAAAAAAAAAAAAAAAAAAAAAAAAAAAAAAAAAAAAAAAAAAAAAAAAAAAAAAAAAAAAAAAAAAAAAAAAAAAAAAAAFAAAADwAAAAAAAAAAAAAAAAAAAAPAAAAAQAAACMAAAAjAAAAIwAAAB4AAAAAAAAAZAAAAGQAAAAAAAAAZAAAAGQAAAAVAAAAYAAAAAAAAAAAAAAADwAAACADAAAAAAAAAAAAAAEAAACgMgAAVgcAAKr4//8BAAAAf39/AAEAAABkAAAAAAAAABQAAABAHwAAAAAAACYAAAAAAAAAwOD//wAAAAAmAAAAZAAAABYAAABMAAAAAAAAAAAAAAAEAAAAAAAAAAEAAADu7OEKAAAAACgAAAAoAAAAZAAAAGQAAAAAAAAAzMzMAAAAAABQAAAAUAAAAGQAAABkAAAAAAAAABcAAAAUAAAAAAAAAAAAAAD/fwAA/38AAAAAAAAJAAAABAAAAAAAAAAMAAAAEAAAAAAAAAAAAAAAAAAAAAAAAAAeAAAAaAAAAAAAAAAAAAAAAAAAAAAAAAAAAAAAECcAABAnAAAAAAAAAAAAAAAAAAAAAAAAAAAAAAAAAAAAAAAAAAAAABQAAAAAAAAAwMD/AAAAAABkAAAAMgAAAAAAAABkAAAAAAAAAH9/fwAKAAAAHwAAAFQAAAD///8A////AQAAAAAAAAAAAAAAAAAAAAAAAAAAAAAAAAAAAAAAAAAAAAAAAH9/fwDu7OEDzMzMAMDA/wB/f38AAAAAAAAAAAAAAAAAAAAAAAAAAAAhAAAAGAAAABQAAADIBQAAwBIAAHpIAABnJgAAEAAAACYAAAAIAAAAAYAAAAAAAAA="/>
+                <pr:smNativeData xmlns:pr="smNativeData" xmlns:p14="http://schemas.microsoft.com/office/powerpoint/2010/main" xmlns="" val="SMDATA_13_eIVQYBMAAAAlAAAAZAAAAA0AAAAAAAAAAAAAAAAAAAAAAAAAAAAAAAAAAAAAAAAAAAEAAABQAAAAAAAAAAAA4D8AAAAAAADgPwAAAAAAAOA/AAAAAAAA4D8AAAAAAADgPwAAAAAAAOA/AAAAAAAA4D8AAAAAAADgPwAAAAAAAOA/AAAAAAAA4D8CAAAAjAAAAAAAAAAAAAAA////AP///wgAAAAAAAAAAAAAAAAAAAAAAAAAAAAAAAAAAAAAeAAAAAEAAABAAAAAAAAAAAAAAABaAAAAAAAAAAAAAAAAAAAAAAAAAAAAAAAAAAAAAAAAAAAAAAAAAAAAAAAAAAAAAAAAAAAAAAAAAAAAAAAAAAAAAAAAAAAAAAAAAAAAFAAAADwAAAAAAAAAAAAAAAAAAAAPAAAAAQAAACMAAAAjAAAAIwAAAB4AAAAAAAAAZAAAAGQAAAAAAAAAZAAAAGQAAAAVAAAAYAAAAAAAAAAAAAAADwAAACADAAAAAAAAAAAAAAEAAACgMgAAVgcAAKr4//8BAAAAf39/AAEAAABkAAAAAAAAABQAAABAHwAAAAAAACYAAAAAAAAAwOD//wAAAAAmAAAAZAAAABYAAABMAAAAAAAAAAAAAAAEAAAAAAAAAAEAAADu7OEKAAAAACgAAAAoAAAAZAAAAGQAAAAAAAAAzMzMAAAAAABQAAAAUAAAAGQAAABkAAAAAAAAABcAAAAUAAAAAAAAAAAAAAD/fwAA/38AAAAAAAAJAAAABAAAAAAAAAAMAAAAEAAAAAAAAAAAAAAAAAAAAAAAAAAeAAAAaAAAAAAAAAAAAAAAAAAAAAAAAAAAAAAAECcAABAnAAAAAAAAAAAAAAAAAAAAAAAAAAAAAAAAAAAAAAAAAAAAABQAAAAAAAAAwMD/AAAAAABkAAAAMgAAAAAAAABkAAAAAAAAAH9/fwAKAAAAHwAAAFQAAAD///8A////AQAAAAAAAAAAAAAAAAAAAAAAAAAAAAAAAAAAAAAAAAAAAAAAAH9/fwDu7OEDzMzMAMDA/wB/f38AAAAAAAAAAAAAAAAAAAAAAAAAAAAhAAAAGAAAABQAAADIBQAAwBIAAHpIAADoLQAAEAAAACYAAAAIAAAAAYAAAAAAAAA="/>
               </a:ext>
             </a:extLst>
           </p:cNvSpPr>
@@ -5356,7 +5454,7 @@
         <p:spPr>
           <a:xfrm>
             <a:off x="939800" y="3048000"/>
-            <a:ext cx="10841990" cy="3194685"/>
+            <a:ext cx="10841990" cy="4414520"/>
           </a:xfrm>
         </p:spPr>
         <p:txBody>
@@ -5373,7 +5471,7 @@
                 <a:schemeClr val="accent1"/>
               </a:buClr>
               <a:buSzPts val="2910"/>
-              <a:buFont typeface="Wingdings" pitchFamily="0" charset="0"/>
+              <a:buFont typeface="Wingdings" charset="0"/>
               <a:buChar char="§"/>
               <a:tabLst/>
               <a:defRPr lang="de-de" sz="2800" b="0" i="0" baseline="0">
@@ -5404,7 +5502,7 @@
               <a:lnSpc>
                 <a:spcPct val="150000"/>
               </a:lnSpc>
-              <a:buFont typeface="Wingdings" pitchFamily="0" charset="0"/>
+              <a:buFont typeface="Wingdings" charset="0"/>
               <a:buChar char="§"/>
               <a:defRPr lang="de-de" sz="2000" b="0" i="0" baseline="0">
                 <a:solidFill>
@@ -5439,7 +5537,17 @@
               <a:defRPr lang="de-de"/>
             </a:pPr>
             <a:r>
-              <a:t>Views</a:t>
+              <a:rPr lang="en-GB" dirty="0"/>
+              <a:t>Shows time</a:t>
+            </a:r>
+          </a:p>
+          <a:p>
+            <a:pPr>
+              <a:defRPr lang="de-de"/>
+            </a:pPr>
+            <a:r>
+              <a:rPr lang="en-GB" dirty="0"/>
+              <a:t>Shows visual feedback:</a:t>
             </a:r>
           </a:p>
           <a:p>
@@ -5447,7 +5555,8 @@
               <a:defRPr lang="de-de"/>
             </a:pPr>
             <a:r>
-              <a:t>Main page</a:t>
+              <a:rPr dirty="0"/>
+              <a:t>Ring feedback</a:t>
             </a:r>
           </a:p>
           <a:p>
@@ -5455,7 +5564,8 @@
               <a:defRPr lang="de-de"/>
             </a:pPr>
             <a:r>
-              <a:t>Visual feedback settings</a:t>
+              <a:rPr dirty="0"/>
+              <a:t>Icon feedback</a:t>
             </a:r>
           </a:p>
           <a:p>
@@ -5463,7 +5573,17 @@
               <a:defRPr lang="de-de"/>
             </a:pPr>
             <a:r>
-              <a:t>Other feedback settings</a:t>
+              <a:rPr dirty="0"/>
+              <a:t>Notification feedback</a:t>
+            </a:r>
+          </a:p>
+          <a:p>
+            <a:pPr>
+              <a:defRPr lang="de-de"/>
+            </a:pPr>
+            <a:r>
+              <a:rPr dirty="0"/>
+              <a:t>Can trigger other feedback:</a:t>
             </a:r>
           </a:p>
           <a:p>
@@ -5471,14 +5591,29 @@
               <a:defRPr lang="de-de"/>
             </a:pPr>
             <a:r>
-              <a:t>Sensors suspension setting</a:t>
-            </a:r>
-          </a:p>
-          <a:p>
-            <a:pPr>
-              <a:defRPr lang="de-de"/>
-            </a:pPr>
-            <a:endParaRPr lang="en-gb"/>
+              <a:rPr lang="de-DE" dirty="0"/>
+              <a:t>Vibration</a:t>
+            </a:r>
+          </a:p>
+          <a:p>
+            <a:pPr lvl="1">
+              <a:defRPr lang="de-de"/>
+            </a:pPr>
+            <a:r>
+              <a:rPr lang="de-DE" dirty="0"/>
+              <a:t>Sound</a:t>
+            </a:r>
+            <a:endParaRPr dirty="0"/>
+          </a:p>
+          <a:p>
+            <a:pPr>
+              <a:defRPr lang="de-de"/>
+            </a:pPr>
+            <a:r>
+              <a:rPr lang="de-DE" dirty="0"/>
+              <a:t>Ambient mode</a:t>
+            </a:r>
+            <a:endParaRPr dirty="0"/>
           </a:p>
         </p:txBody>
       </p:sp>
@@ -5489,7 +5624,7 @@
             <a:spLocks noGrp="1" noChangeArrowheads="1"/>
             <a:extLst>
               <a:ext uri="smNativeData">
-                <pr:smNativeData xmlns:pr="smNativeData" val="SMDATA_13_eIVQYBMAAAAlAAAAZAAAAA0AAAAAAAAAAAAAAAAAAAAAAAAAAAAAAAAAAAAAAAAAAAEAAABQAAAAAAAAAAAA4D8AAAAAAADgPwAAAAAAAOA/AAAAAAAA4D8AAAAAAADgPwAAAAAAAOA/AAAAAAAA4D8AAAAAAADgPwAAAAAAAOA/AAAAAAAA4D8CAAAAjAAAAAAAAAAAAAAA////AP///wgAAAAAAAAAAAAAAAAAAAAAAAAAAAAAAAAAAAAAeAAAAAEAAABAAAAAAAAAAAAAAABaAAAAAAAAAAAAAAAAAAAAAAAAAAAAAAAAAAAAAAAAAAAAAAAAAAAAAAAAAAAAAAAAAAAAAAAAAAAAAAAAAAAAAAAAAAAAAAAAAAAAFAAAADwAAAAAAAAAAAAAAAAAAAAPAAAAAQAAACMAAAAjAAAAIwAAAB4AAAAAAAAAZAAAAGQAAAAAAAAAZAAAAGQAAAAVAAAAYAAAAAAAAAAAAAAADwAAACADAAAAAAAAAAAAAAEAAACgMgAAVgcAAKr4//8BAAAAf39/AAEAAABkAAAAAAAAABQAAABAHwAAAAAAACYAAAAAAAAAwOD//wAAAAAmAAAAZAAAABYAAABMAAAAAAAAAAAAAAAEAAAAAAAAAAEAAADu7OEKAAAAACgAAAAoAAAAZAAAAGQAAAAAAAAAzMzMAAAAAABQAAAAUAAAAGQAAABkAAAAAAAAABcAAAAUAAAAAAAAAAAAAAD/fwAA/38AAAAAAAAJAAAABAAAAAAAAAAMAAAAEAAAAAAAAAAAAAAAAAAAAAAAAAAeAAAAaAAAAAAAAAAAAAAAAAAAAAAAAAAAAAAAECcAABAnAAAAAAAAAAAAAAAAAAAAAAAAAAAAAAAAAAAAAAAAAAAAABQAAAAAAAAAwMD/AAAAAABkAAAAMgAAAAAAAABkAAAAAAAAAH9/fwAKAAAAHwAAAFQAAAD///8A////AQAAAAAAAAAAAAAAAAAAAAAAAAAAAAAAAAAAAAAAAAAAAAAAAH9/fwDu7OEDzMzMAMDA/wB/f38AAAAAAAAAAAAAAAAAAAAAAAAAAAAhAAAAGAAAABQAAADqAQAA4DgAAPAKAACYOgAAEAAAACYAAAAIAAAAAAAAAAAAAAA="/>
+                <pr:smNativeData xmlns:pr="smNativeData" xmlns:p14="http://schemas.microsoft.com/office/powerpoint/2010/main" xmlns="" val="SMDATA_13_eIVQYBMAAAAlAAAAZAAAAA0AAAAAAAAAAAAAAAAAAAAAAAAAAAAAAAAAAAAAAAAAAAEAAABQAAAAAAAAAAAA4D8AAAAAAADgPwAAAAAAAOA/AAAAAAAA4D8AAAAAAADgPwAAAAAAAOA/AAAAAAAA4D8AAAAAAADgPwAAAAAAAOA/AAAAAAAA4D8CAAAAjAAAAAAAAAAAAAAA////AP///wgAAAAAAAAAAAAAAAAAAAAAAAAAAAAAAAAAAAAAeAAAAAEAAABAAAAAAAAAAAAAAABaAAAAAAAAAAAAAAAAAAAAAAAAAAAAAAAAAAAAAAAAAAAAAAAAAAAAAAAAAAAAAAAAAAAAAAAAAAAAAAAAAAAAAAAAAAAAAAAAAAAAFAAAADwAAAAAAAAAAAAAAAAAAAAPAAAAAQAAACMAAAAjAAAAIwAAAB4AAAAAAAAAZAAAAGQAAAAAAAAAZAAAAGQAAAAVAAAAYAAAAAAAAAAAAAAADwAAACADAAAAAAAAAAAAAAEAAACgMgAAVgcAAKr4//8BAAAAf39/AAEAAABkAAAAAAAAABQAAABAHwAAAAAAACYAAAAAAAAAwOD//wAAAAAmAAAAZAAAABYAAABMAAAAAAAAAAAAAAAEAAAAAAAAAAEAAADu7OEKAAAAACgAAAAoAAAAZAAAAGQAAAAAAAAAzMzMAAAAAABQAAAAUAAAAGQAAABkAAAAAAAAABcAAAAUAAAAAAAAAAAAAAD/fwAA/38AAAAAAAAJAAAABAAAAAAAAAAMAAAAEAAAAAAAAAAAAAAAAAAAAAAAAAAeAAAAaAAAAAAAAAAAAAAAAAAAAAAAAAAAAAAAECcAABAnAAAAAAAAAAAAAAAAAAAAAAAAAAAAAAAAAAAAAAAAAAAAABQAAAAAAAAAwMD/AAAAAABkAAAAMgAAAAAAAABkAAAAAAAAAH9/fwAKAAAAHwAAAFQAAAD///8A////AQAAAAAAAAAAAAAAAAAAAAAAAAAAAAAAAAAAAAAAAAAAAAAAAH9/fwDu7OEDzMzMAMDA/wB/f38AAAAAAAAAAAAAAAAAAAAAAAAAAAAhAAAAGAAAABQAAADqAQAA4DgAAPAKAACYOgAAEAAAACYAAAAIAAAAAAAAAAAAAAA="/>
               </a:ext>
             </a:extLst>
           </p:cNvSpPr>
@@ -5518,7 +5653,7 @@
             <a:spLocks noGrp="1" noChangeArrowheads="1"/>
             <a:extLst>
               <a:ext uri="smNativeData">
-                <pr:smNativeData xmlns:pr="smNativeData" val="SMDATA_13_eIVQYBMAAAAlAAAAZAAAAA0AAAAAAAAAAAAAAAAAAAAAAAAAAAAAAAAAAAAAAAAAAAEAAABQAAAAAAAAAAAA4D8AAAAAAADgPwAAAAAAAOA/AAAAAAAA4D8AAAAAAADgPwAAAAAAAOA/AAAAAAAA4D8AAAAAAADgPwAAAAAAAOA/AAAAAAAA4D8CAAAAjAAAAAAAAAAAAAAA////AP///wgAAAAAAAAAAAAAAAAAAAAAAAAAAAAAAAAAAAAAeAAAAAEAAABAAAAAAAAAAAAAAABaAAAAAAAAAAAAAAAAAAAAAAAAAAAAAAAAAAAAAAAAAAAAAAAAAAAAAAAAAAAAAAAAAAAAAAAAAAAAAAAAAAAAAAAAAAAAAAAAAAAAFAAAADwAAAAAAAAAAAAAAAAAAAAPAAAAAQAAACMAAAAjAAAAIwAAAB4AAAAAAAAAZAAAAGQAAAAAAAAAZAAAAGQAAAAVAAAAYAAAAAAAAAAAAAAADwAAACADAAAAAAAAAAAAAAEAAACgMgAAVgcAAKr4//8BAAAAf39/AAEAAABkAAAAAAAAABQAAABAHwAAAAAAACYAAAAAAAAAwOD//wAAAAAmAAAAZAAAABYAAABMAAAAAAAAAAAAAAAEAAAAAAAAAAEAAADu7OEKAAAAACgAAAAoAAAAZAAAAGQAAAAAAAAAzMzMAAAAAABQAAAAUAAAAGQAAABkAAAAAAAAABcAAAAUAAAAAAAAAAAAAAD/fwAA/38AAAAAAAAJAAAABAAAAAAAAAAMAAAAEAAAAAAAAAAAAAAAAAAAAAAAAAAeAAAAaAAAAAAAAAAAAAAAAAAAAAAAAAAAAAAAECcAABAnAAAAAAAAAAAAAAAAAAAAAAAAAAAAAAAAAAAAAAAAAAAAABQAAAAAAAAAwMD/AAAAAABkAAAAMgAAAAAAAABkAAAAAAAAAH9/fwAKAAAAHwAAAFQAAAD///8A////AQAAAAAAAAAAAAAAAAAAAAAAAAAAAAAAAAAAAAAAAAAAAAAAAH9/fwDu7OEDzMzMAMDA/wB/f38AAAAAAAAAAAAAAAAAAAAAAAAAAAAhAAAAGAAAABQAAADQSAAAGDkAABZOAACYOgAAEAAAACYAAAAIAAAAAAAAAAAAAAA="/>
+                <pr:smNativeData xmlns:pr="smNativeData" xmlns:p14="http://schemas.microsoft.com/office/powerpoint/2010/main" xmlns="" val="SMDATA_13_eIVQYBMAAAAlAAAAZAAAAA0AAAAAAAAAAAAAAAAAAAAAAAAAAAAAAAAAAAAAAAAAAAEAAABQAAAAAAAAAAAA4D8AAAAAAADgPwAAAAAAAOA/AAAAAAAA4D8AAAAAAADgPwAAAAAAAOA/AAAAAAAA4D8AAAAAAADgPwAAAAAAAOA/AAAAAAAA4D8CAAAAjAAAAAAAAAAAAAAA////AP///wgAAAAAAAAAAAAAAAAAAAAAAAAAAAAAAAAAAAAAeAAAAAEAAABAAAAAAAAAAAAAAABaAAAAAAAAAAAAAAAAAAAAAAAAAAAAAAAAAAAAAAAAAAAAAAAAAAAAAAAAAAAAAAAAAAAAAAAAAAAAAAAAAAAAAAAAAAAAAAAAAAAAFAAAADwAAAAAAAAAAAAAAAAAAAAPAAAAAQAAACMAAAAjAAAAIwAAAB4AAAAAAAAAZAAAAGQAAAAAAAAAZAAAAGQAAAAVAAAAYAAAAAAAAAAAAAAADwAAACADAAAAAAAAAAAAAAEAAACgMgAAVgcAAKr4//8BAAAAf39/AAEAAABkAAAAAAAAABQAAABAHwAAAAAAACYAAAAAAAAAwOD//wAAAAAmAAAAZAAAABYAAABMAAAAAAAAAAAAAAAEAAAAAAAAAAEAAADu7OEKAAAAACgAAAAoAAAAZAAAAGQAAAAAAAAAzMzMAAAAAABQAAAAUAAAAGQAAABkAAAAAAAAABcAAAAUAAAAAAAAAAAAAAD/fwAA/38AAAAAAAAJAAAABAAAAPw8XMEMAAAAEAAAAAAAAAAAAAAAAAAAAAAAAAAeAAAAaAAAAAAAAAAAAAAAAAAAAAAAAAAAAAAAECcAABAnAAAAAAAAAAAAAAAAAAAAAAAAAAAAAAAAAAAAAAAAAAAAABQAAAAAAAAAwMD/AAAAAABkAAAAMgAAAAAAAABkAAAAAAAAAH9/fwAKAAAAHwAAAFQAAAD///8A////AQAAAAAAAAAAAAAAAAAAAAAAAAAAAAAAAAAAAAAAAAAAAAAAAH9/fwDu7OEDzMzMAMDA/wB/f38AAAAAAAAAAAAAAAAAAAAAAAAAAAAhAAAAGAAAABQAAADQSAAAGDkAABZOAACYOgAAEAAAACYAAAAIAAAAAAAAAAAAAAA="/>
               </a:ext>
             </a:extLst>
           </p:cNvSpPr>
@@ -5534,9 +5669,10 @@
             <a:pPr>
               <a:defRPr lang="de-de"/>
             </a:pPr>
-            <a:fld id="{656E3B5A-1488-3BCD-C6D6-E298759830B7}" type="slidenum">
+            <a:fld id="{2F32C17E-30C2-6737-8C8A-C6628FC47A93}" type="slidenum">
               <a:t>12</a:t>
             </a:fld>
+            <a:endParaRPr/>
           </a:p>
         </p:txBody>
       </p:sp>
@@ -5547,7 +5683,7 @@
             <a:picLocks noChangeAspect="1"/>
             <a:extLst>
               <a:ext uri="smNativeData">
-                <pr:smNativeData xmlns:pr="smNativeData" val="SMDATA_15_eIVQYBMAAAAlAAAAEQAAAC0AAAAAkAAAAEgAAACQAAAASAAAAAAAAAAAAAAAAAAAAAEAAABQAAAAAAAAAAAA4D8AAAAAAADgPwAAAAAAAOA/AAAAAAAA4D8AAAAAAADgPwAAAAAAAOA/AAAAAAAA4D8AAAAAAADgPwAAAAAAAOA/AAAAAAAA4D8CAAAAjAAAAAAAAAAAAAAAT4G9DP///wgAAAAAAAAAAAAAAAAAAAAAAAAAAAAAAAAAAAAAZAAAAAEAAABAAAAAAAAAAAAAAAAAAAAAAAAAAAAAAAAAAAAAAAAAAAAAAAAAAAAAAAAAAAAAAAAAAAAAAAAAAAAAAAAAAAAAAAAAAAAAAAAAAAAAAAAAAAAAAAAAAAAAFAAAADwAAAAAAAAAAAAAAAAAAAkUAAAAAQAAABQAAAAUAAAAFAAAAAEAAAAAAAAAZAAAAGQAAAAAAAAAZAAAAGQAAAAVAAAAYAAAAAAAAAAAAAAADwAAACADAAAAAAAAAAAAAAEAAACgMgAAVgcAAKr4//8BAAAAf39/AAEAAABkAAAAAAAAABQAAABAHwAAAAAAACYAAAAAAAAAwOD//wAAAAAmAAAAZAAAABYAAABMAAAAAAAAAAAAAAAEAAAAAAAAAAEAAADu7OEKAAAAACgAAAAoAAAAZAAAAGQAAAAAAAAAzMzMAAAAAABQAAAAUAAAAGQAAABkAAAAAAAAAAcAAAA4AAAAAAAAAAAAAAAAAAAA////AAAAAAAAAAAAAAAAAAAAAAAAAAAAAAAAAAAAAABkAAAAZAAAAAAAAAAjAAAABAAAAGQAAAAXAAAAFAAAAAAAAAAAAAAA/38AAP9/AAAAAAAACQAAAAQAAAAAAAAADAAAABAAAAAAAAAAAAAAAAAAAAAAAAAAHgAAAGgAAAAAAAAAAAAAAAAAAAAAAAAAAAAAABAnAAAQJwAAAAAAAAAAAAAAAAAAAAAAAAAAAAAAAAAAAAAAAAAAAAAUAAAAAAAAAMDA/wAAAAAAZAAAADIAAAAAAAAAZAAAAAAAAAB/f38ACgAAAB8AAABUAAAAT4G9Bf///wEAAAAAAAAAAAAAAAAAAAAAAAAAAAAAAAAAAAAAAAAAAAAAAAJ/f38A7uzhA8zMzADAwP8Af39/AAAAAAAAAAAAAAAAAP///wAAAAAAIQAAABgAAAAUAAAAlTkAAMIQAABzSwAAoCIAABAAAAAmAAAACAAAAP//////////"/>
+                <pr:smNativeData xmlns:pr="smNativeData" xmlns:p14="http://schemas.microsoft.com/office/powerpoint/2010/main" xmlns="" val="SMDATA_15_eIVQYBMAAAAlAAAAEQAAAC0AAAAAkAAAAEgAAACQAAAASAAAAAAAAAAAAAAAAAAAAAEAAABQAAAAAAAAAAAA4D8AAAAAAADgPwAAAAAAAOA/AAAAAAAA4D8AAAAAAADgPwAAAAAAAOA/AAAAAAAA4D8AAAAAAADgPwAAAAAAAOA/AAAAAAAA4D8CAAAAjAAAAAAAAAAAAAAAT4G9DP///wgAAAAAAAAAAAAAAAAAAAAAAAAAAAAAAAAAAAAAZAAAAAEAAABAAAAAAAAAAAAAAAAAAAAAAAAAAAAAAAAAAAAAAAAAAAAAAAAAAAAAAAAAAAAAAAAAAAAAAAAAAAAAAAAAAAAAAAAAAAAAAAAAAAAAAAAAAAAAAAAAAAAAFAAAADwAAAAAAAAAAAAAAAAAAAkUAAAAAQAAABQAAAAUAAAAFAAAAAEAAAAAAAAAZAAAAGQAAAAAAAAAZAAAAGQAAAAVAAAAYAAAAAAAAAAAAAAADwAAACADAAAAAAAAAAAAAAEAAACgMgAAVgcAAKr4//8BAAAAf39/AAEAAABkAAAAAAAAABQAAABAHwAAAAAAACYAAAAAAAAAwOD//wAAAAAmAAAAZAAAABYAAABMAAAAAAAAAAAAAAAEAAAAAAAAAAEAAADu7OEKAAAAACgAAAAoAAAAZAAAAGQAAAAAAAAAzMzMAAAAAABQAAAAUAAAAGQAAABkAAAAAAAAAAcAAAA4AAAAAAAAAAAAAAAAAAAA////AAAAAAAAAAAAAAAAAAAAAAAAAAAAAAAAAAAAAABkAAAAZAAAAAAAAAAjAAAABAAAAGQAAAAXAAAAFAAAAAAAAAAAAAAA/38AAP9/AAAAAAAACQAAAAQAAABSID8/DAAAABAAAAAAAAAAAAAAAAAAAAAAAAAAHgAAAGgAAAAAAAAAAAAAAAAAAAAAAAAAAAAAABAnAAAQJwAAAAAAAAAAAAAAAAAAAAAAAAAAAAAAAAAAAAAAAAAAAAAUAAAAAAAAAMDA/wAAAAAAZAAAADIAAAAAAAAAZAAAAAAAAAB/f38ACgAAAB8AAABUAAAAT4G9Bf///wEAAAAAAAAAAAAAAAAAAAAAAAAAAAAAAAAAAAAAAAAAAAAAAAJ/f38A7uzhA8zMzADAwP8Af39/AAAAAAAAAAAAAAAAAP///wAAAAAAIQAAABgAAAAUAAAAEiQAADMRAABENwAAZSQAABAAAAAmAAAACAAAAP//////////"/>
               </a:ext>
             </a:extLst>
           </p:cNvPicPr>
@@ -5561,8 +5697,8 @@
         </p:blipFill>
         <p:spPr>
           <a:xfrm>
-            <a:off x="9360535" y="2724150"/>
-            <a:ext cx="2904490" cy="2904490"/>
+            <a:off x="5863590" y="2795905"/>
+            <a:ext cx="3120390" cy="3120390"/>
           </a:xfrm>
           <a:prstGeom prst="rect">
             <a:avLst/>
@@ -5581,7 +5717,7 @@
             <a:picLocks noChangeAspect="1"/>
             <a:extLst>
               <a:ext uri="smNativeData">
-                <pr:smNativeData xmlns:pr="smNativeData" val="SMDATA_15_eIVQYBMAAAAlAAAAEQAAAC0AAAAAkAAAAEgAAACQAAAASAAAAAAAAAAAAAAAAAAAAAEAAABQAAAAAAAAAAAA4D8AAAAAAADgPwAAAAAAAOA/AAAAAAAA4D8AAAAAAADgPwAAAAAAAOA/AAAAAAAA4D8AAAAAAADgPwAAAAAAAOA/AAAAAAAA4D8CAAAAjAAAAAAAAAAAAAAAT4G9DP///wgAAAAAAAAAAAAAAAAAAAAAAAAAAAAAAAAAAAAAZAAAAAEAAABAAAAAAAAAAAAAAAAAAAAAAAAAAAAAAAAAAAAAAAAAAAAAAAAAAAAAAAAAAAAAAAAAAAAAAAAAAAAAAAAAAAAAAAAAAAAAAAAAAAAAAAAAAAAAAAAAAAAAFAAAADwAAAAAAAAAAAAAAAAAAAkUAAAAAQAAABQAAAAUAAAAFAAAAAEAAAAAAAAAZAAAAGQAAAAAAAAAZAAAAGQAAAAVAAAAYAAAAAAAAAAAAAAADwAAACADAAAAAAAAAAAAAAEAAACgMgAAVgcAAKr4//8BAAAAf39/AAEAAABkAAAAAAAAABQAAABAHwAAAAAAACYAAAAAAAAAwOD//wAAAAAmAAAAZAAAABYAAABMAAAAAAAAAAAAAAAEAAAAAAAAAAEAAADu7OEKAAAAACgAAAAoAAAAZAAAAGQAAAAAAAAAzMzMAAAAAABQAAAAUAAAAGQAAABkAAAAAAAAAAcAAAA4AAAAAAAAAAAAAAAAAAAA////AAAAAAAAAAAAAAAAAAAAAAAAAAAAAAAAAAAAAABkAAAAZAAAAAAAAAAjAAAABAAAAGQAAAAXAAAAFAAAAAAAAAAAAAAA/38AAP9/AAAAAAAACQAAAAQAAAAAAAAADAAAABAAAAAAAAAAAAAAAAAAAAAAAAAAHgAAAGgAAAAAAAAAAAAAAAAAAAAAAAAAAAAAABAnAAAQJwAAAAAAAAAAAAAAAAAAAAAAAAAAAAAAAAAAAAAAAAAAAAAUAAAAAAAAAMDA/wAAAAAAZAAAADIAAAAAAAAAZAAAAAAAAAB/f38ACgAAAB8AAABUAAAAT4G9Bf///wEAAAAAAAAAAAAAAAAAAAAAAAAAAAAAAAAAAAAAAAAAAAAAAAJ/f38A7uzhA8zMzADAwP8Af39/AAAAAAAAAAAAAAAAAP///wAAAAAAIQAAABgAAAAUAAAA5yQAAMIQAADFNgAAoCIAABAAAAAmAAAACAAAAP//////////"/>
+                <pr:smNativeData xmlns:pr="smNativeData" xmlns:p14="http://schemas.microsoft.com/office/powerpoint/2010/main" xmlns="" val="SMDATA_15_eIVQYBMAAAAlAAAAEQAAAC0AAAAAkAAAAEgAAACQAAAASAAAAAAAAAAAAAAAAAAAAAEAAABQAAAAAAAAAAAA4D8AAAAAAADgPwAAAAAAAOA/AAAAAAAA4D8AAAAAAADgPwAAAAAAAOA/AAAAAAAA4D8AAAAAAADgPwAAAAAAAOA/AAAAAAAA4D8CAAAAjAAAAAAAAAAAAAAAT4G9DP///wgAAAAAAAAAAAAAAAAAAAAAAAAAAAAAAAAAAAAAZAAAAAEAAABAAAAAAAAAAAAAAAAAAAAAAAAAAAAAAAAAAAAAAAAAAAAAAAAAAAAAAAAAAAAAAAAAAAAAAAAAAAAAAAAAAAAAAAAAAAAAAAAAAAAAAAAAAAAAAAAAAAAAFAAAADwAAAAAAAAAAAAAAAAAAAkUAAAAAQAAABQAAAAUAAAAFAAAAAEAAAAAAAAAZAAAAGQAAAAAAAAAZAAAAGQAAAAVAAAAYAAAAAAAAAAAAAAADwAAACADAAAAAAAAAAAAAAEAAACgMgAAVgcAAKr4//8BAAAAf39/AAEAAABkAAAAAAAAABQAAABAHwAAAAAAACYAAAAAAAAAwOD//wAAAAAmAAAAZAAAABYAAABMAAAAAAAAAAAAAAAEAAAAAAAAAAEAAADu7OEKAAAAACgAAAAoAAAAZAAAAGQAAAAAAAAAzMzMAAAAAABQAAAAUAAAAGQAAABkAAAAAAAAAAcAAAA4AAAAAAAAAAAAAAAAAAAA////AAAAAAAAAAAAAAAAAAAAAAAAAAAAAAAAAAAAAABkAAAAZAAAAAAAAAAjAAAABAAAAGQAAAAXAAAAFAAAAAAAAAAAAAAA/38AAP9/AAAAAAAACQAAAAQAAAAAAAAADAAAABAAAAAAAAAAAAAAAAAAAAAAAAAAHgAAAGgAAAAAAAAAAAAAAAAAAAAAAAAAAAAAABAnAAAQJwAAAAAAAAAAAAAAAAAAAAAAAAAAAAAAAAAAAAAAAAAAAAAUAAAAAAAAAMDA/wAAAAAAZAAAADIAAAAAAAAAZAAAAAAAAAB/f38ACgAAAB8AAABUAAAAT4G9Bf///wEAAAAAAAAAAAAAAAAAAAAAAAAAAAAAAAAAAAAAAAAAAAAAAAJ/f38A7uzhA8zMzADAwP8Af39/AAAAAAAAAAAAAAAAAP///wAAAAAAIQAAABgAAAAUAAAAGToAADMRAABLTQAAZSQAABAAAAAmAAAACAAAAP//////////"/>
               </a:ext>
             </a:extLst>
           </p:cNvPicPr>
@@ -5595,8 +5731,8 @@
         </p:blipFill>
         <p:spPr>
           <a:xfrm>
-            <a:off x="5998845" y="2724150"/>
-            <a:ext cx="2904490" cy="2904490"/>
+            <a:off x="9444355" y="2795905"/>
+            <a:ext cx="3120390" cy="3120390"/>
           </a:xfrm>
           <a:prstGeom prst="rect">
             <a:avLst/>
@@ -5615,7 +5751,7 @@
             <a:picLocks noChangeAspect="1"/>
             <a:extLst>
               <a:ext uri="smNativeData">
-                <pr:smNativeData xmlns:pr="smNativeData" val="SMDATA_15_eIVQYBMAAAAlAAAAEQAAAC0AAAAAkAAAAEgAAACQAAAASAAAAAAAAAAAAAAAAAAAAAEAAABQAAAAAAAAAAAA4D8AAAAAAADgPwAAAAAAAOA/AAAAAAAA4D8AAAAAAADgPwAAAAAAAOA/AAAAAAAA4D8AAAAAAADgPwAAAAAAAOA/AAAAAAAA4D8CAAAAjAAAAAAAAAAAAAAAT4G9DP///wgAAAAAAAAAAAAAAAAAAAAAAAAAAAAAAAAAAAAAZAAAAAEAAABAAAAAAAAAAAAAAAAAAAAAAAAAAAAAAAAAAAAAAAAAAAAAAAAAAAAAAAAAAAAAAAAAAAAAAAAAAAAAAAAAAAAAAAAAAAAAAAAAAAAAAAAAAAAAAAAAAAAAFAAAADwAAAAAAAAAAAAAAAAAAAkUAAAAAQAAABQAAAAUAAAAFAAAAAEAAAAAAAAAZAAAAGQAAAAAAAAAZAAAAGQAAAAVAAAAYAAAAAAAAAAAAAAADwAAACADAAAAAAAAAAAAAAEAAACgMgAAVgcAAKr4//8BAAAAf39/AAEAAABkAAAAAAAAABQAAABAHwAAAAAAACYAAAAAAAAAwOD//wAAAAAmAAAAZAAAABYAAABMAAAAAAAAAAAAAAAEAAAAAAAAAAEAAADu7OEKAAAAACgAAAAoAAAAZAAAAGQAAAAAAAAAzMzMAAAAAABQAAAAUAAAAGQAAABkAAAAAAAAAAcAAAA4AAAAAAAAAAAAAAAAAAAA////AAAAAAAAAAAAAAAAAAAAAAAAAAAAAAAAAAAAAABkAAAAZAAAAAAAAAAjAAAABAAAAGQAAAAXAAAAFAAAAAAAAAAAAAAA/38AAP9/AAAAAAAACQAAAAQAAAAAAAAADAAAABAAAAAAAAAAAAAAAAAAAAAAAAAAHgAAAGgAAAAAAAAAAAAAAAAAAAAAAAAAAAAAABAnAAAQJwAAAAAAAAAAAAAAAAAAAAAAAAAAAAAAAAAAAAAAAAAAAAAUAAAAAAAAAMDA/wAAAAAAZAAAADIAAAAAAAAAZAAAAAAAAAB/f38ACgAAAB8AAABUAAAAT4G9Bf///wEAAAAAAAAAAAAAAAAAAAAAAAAAAAAAAAAAAAAAAAAAAAAAAAJ/f38A7uzhA8zMzADAwP8Af39/AAAAAAAAAAAAAAAAAP///wAAAAAAIQAAABgAAAAUAAAAPi8AAIMiAAAcQQAAYTQAABAAAAAmAAAACAAAAP//////////"/>
+                <pr:smNativeData xmlns:pr="smNativeData" xmlns:p14="http://schemas.microsoft.com/office/powerpoint/2010/main" xmlns="" val="SMDATA_15_eIVQYBMAAAAlAAAAEQAAAC0AAAAAkAAAAEgAAACQAAAASAAAAAAAAAAAAAAAAAAAAAEAAABQAAAAAAAAAAAA4D8AAAAAAADgPwAAAAAAAOA/AAAAAAAA4D8AAAAAAADgPwAAAAAAAOA/AAAAAAAA4D8AAAAAAADgPwAAAAAAAOA/AAAAAAAA4D8CAAAAjAAAAAAAAAAAAAAAT4G9DP///wgAAAAAAAAAAAAAAAAAAAAAAAAAAAAAAAAAAAAAZAAAAAEAAABAAAAAAAAAAAAAAAAAAAAAAAAAAAAAAAAAAAAAAAAAAAAAAAAAAAAAAAAAAAAAAAAAAAAAAAAAAAAAAAAAAAAAAAAAAAAAAAAAAAAAAAAAAAAAAAAAAAAAFAAAADwAAAAAAAAAAAAAAAAAAAkUAAAAAQAAABQAAAAUAAAAFAAAAAEAAAAAAAAAZAAAAGQAAAAAAAAAZAAAAGQAAAAVAAAAYAAAAAAAAAAAAAAADwAAACADAAAAAAAAAAAAAAEAAACgMgAAVgcAAKr4//8BAAAAf39/AAEAAABkAAAAAAAAABQAAABAHwAAAAAAACYAAAAAAAAAwOD//wAAAAAmAAAAZAAAABYAAABMAAAAAAAAAAAAAAAEAAAAAAAAAAEAAADu7OEKAAAAACgAAAAoAAAAZAAAAGQAAAAAAAAAzMzMAAAAAABQAAAAUAAAAGQAAABkAAAAAAAAAAcAAAA4AAAAAAAAAAAAAAAAAAAA////AAAAAAAAAAAAAAAAAAAAAAAAAAAAAAAAAAAAAABkAAAAZAAAAAAAAAAjAAAABAAAAGQAAAAXAAAAFAAAAAAAAAAAAAAA/38AAP9/AAAAAAAACQAAAAQAAAAAAAAADAAAABAAAAAAAAAAAAAAAAAAAAAAAAAAHgAAAGgAAAAAAAAAAAAAAAAAAAAAAAAAAAAAABAnAAAQJwAAAAAAAAAAAAAAAAAAAAAAAAAAAAAAAAAAAAAAAAAAAAAUAAAAAAAAAMDA/wAAAAAAZAAAADIAAAAAAAAAZAAAAAAAAAB/f38ACgAAAB8AAABUAAAAT4G9Bf///wEAAAAAAAAAAAAAAAAAAAAAAAAAAAAAAAAAAAAAAAAAAAAAAAJ/f38A7uzhA8zMzADAwP8Af39/AAAAAAAAAAAAAAAAAP///wAAAAAAIQAAABgAAAAUAAAAFS8AAOUiAABHQgAAFzYAABAAAAAmAAAACAAAAP//////////"/>
               </a:ext>
             </a:extLst>
           </p:cNvPicPr>
@@ -5629,8 +5765,8 @@
         </p:blipFill>
         <p:spPr>
           <a:xfrm>
-            <a:off x="7679690" y="5610225"/>
-            <a:ext cx="2904490" cy="2904490"/>
+            <a:off x="7653655" y="5672455"/>
+            <a:ext cx="3120390" cy="3120390"/>
           </a:xfrm>
           <a:prstGeom prst="rect">
             <a:avLst/>
@@ -5647,18 +5783,11 @@
   <p:clrMapOvr>
     <a:masterClrMapping/>
   </p:clrMapOvr>
-  <p:timing>
-    <p:tnLst>
-      <p:par>
-        <p:cTn id="1" dur="indefinite" restart="never" nodeType="tmRoot"/>
-      </p:par>
-    </p:tnLst>
-  </p:timing>
 </p:sld>
 </file>
 
 <file path=ppt/slides/slide13.xml><?xml version="1.0" encoding="utf-8"?>
-<p:sld xmlns:p="http://schemas.openxmlformats.org/presentationml/2006/main" xmlns:p14="http://schemas.microsoft.com/office/powerpoint/2010/main" xmlns:r="http://schemas.openxmlformats.org/officeDocument/2006/relationships" xmlns:a="http://schemas.openxmlformats.org/drawingml/2006/main">
+<p:sld xmlns:a="http://schemas.openxmlformats.org/drawingml/2006/main" xmlns:r="http://schemas.openxmlformats.org/officeDocument/2006/relationships" xmlns:p="http://schemas.openxmlformats.org/presentationml/2006/main">
   <p:cSld>
     <p:spTree>
       <p:nvGrpSpPr>
@@ -5681,7 +5810,7 @@
             <a:spLocks noGrp="1" noChangeArrowheads="1"/>
             <a:extLst>
               <a:ext uri="smNativeData">
-                <pr:smNativeData xmlns:pr="smNativeData" val="SMDATA_13_eIVQYBMAAAAlAAAAZAAAAA0AAAAAAAAAAAAAAAAAAAAAAAAAAAAAAAAAAAAAAAAAAAEAAABQAAAAAAAAAAAA4D8AAAAAAADgPwAAAAAAAOA/AAAAAAAA4D8AAAAAAADgPwAAAAAAAOA/AAAAAAAA4D8AAAAAAADgPwAAAAAAAOA/AAAAAAAA4D8CAAAAjAAAAAAAAAAAAAAA////AP///wgAAAAAAAAAAAAAAAAAAAAAAAAAAAAAAAAAAAAAeAAAAAEAAABAAAAAAAAAAAAAAABaAAAAAAAAAAAAAAAAAAAAAAAAAAAAAAAAAAAAAAAAAAAAAAAAAAAAAAAAAAAAAAAAAAAAAAAAAAAAAAAAAAAAAAAAAAAAAAAAAAAAFAAAADwAAAAAAAAAAAAAAAAAAAAPAAAAAQAAACMAAAAjAAAAIwAAAB4AAAAAAAAAZAAAAGQAAAAAAAAAZAAAAGQAAAAVAAAAYAAAAAAAAAAAAAAADwAAACADAAAAAAAAAAAAAAEAAACgMgAAVgcAAKr4//8BAAAAf39/AAEAAABkAAAAAAAAABQAAABAHwAAAAAAACYAAAAAAAAAwOD//wAAAAAmAAAAZAAAABYAAABMAAAAAAAAAAAAAAAEAAAAAAAAAAEAAADu7OEKAAAAACgAAAAoAAAAZAAAAGQAAAAAAAAAzMzMAAAAAABQAAAAUAAAAGQAAABkAAAAAAAAABcAAAAUAAAAAAAAAAAAAAD/fwAA/38AAAAAAAAJAAAABAAAAAAAAAAMAAAAEAAAAAAAAAAAAAAAAAAAAAAAAAAeAAAAaAAAAAAAAAAAAAAAAAAAAAAAAAAAAAAAECcAABAnAAAAAAAAAAAAAAAAAAAAAAAAAAAAAAAAAAAAAAAAAAAAABQAAAAAAAAAwMD/AAAAAABkAAAAMgAAAAAAAABkAAAAAAAAAH9/fwAKAAAAHwAAAFQAAAD///8A////AQAAAAAAAAAAAAAAAAAAAAAAAAAAAAAAAAAAAAAAAAAAAAAAAH9/fwDu7OEDzMzMAMDA/wB/f38AAAAAAAAAAAAAAAAAAAAAAAAAAAAhAAAAGAAAABQAAADIBQAAiQsAAHpIAACpDwAAEAAAACYAAAAIAAAAAQAAAAAAAAA="/>
+                <pr:smNativeData xmlns:pr="smNativeData" xmlns:p14="http://schemas.microsoft.com/office/powerpoint/2010/main" xmlns="" val="SMDATA_13_eIVQYBMAAAAlAAAAZAAAAA0AAAAAAAAAAAAAAAAAAAAAAAAAAAAAAAAAAAAAAAAAAAEAAABQAAAAAAAAAAAA4D8AAAAAAADgPwAAAAAAAOA/AAAAAAAA4D8AAAAAAADgPwAAAAAAAOA/AAAAAAAA4D8AAAAAAADgPwAAAAAAAOA/AAAAAAAA4D8CAAAAjAAAAAAAAAAAAAAA////AP///wgAAAAAAAAAAAAAAAAAAAAAAAAAAAAAAAAAAAAAeAAAAAEAAABAAAAAAAAAAAAAAABaAAAAAAAAAAAAAAAAAAAAAAAAAAAAAAAAAAAAAAAAAAAAAAAAAAAAAAAAAAAAAAAAAAAAAAAAAAAAAAAAAAAAAAAAAAAAAAAAAAAAFAAAADwAAAAAAAAAAAAAAAAAAAAPAAAAAQAAACMAAAAjAAAAIwAAAB4AAAAAAAAAZAAAAGQAAAAAAAAAZAAAAGQAAAAVAAAAYAAAAAAAAAAAAAAADwAAACADAAAAAAAAAAAAAAEAAACgMgAAVgcAAKr4//8BAAAAf39/AAEAAABkAAAAAAAAABQAAABAHwAAAAAAACYAAAAAAAAAwOD//wAAAAAmAAAAZAAAABYAAABMAAAAAAAAAAAAAAAEAAAAAAAAAAEAAADu7OEKAAAAACgAAAAoAAAAZAAAAGQAAAAAAAAAzMzMAAAAAABQAAAAUAAAAGQAAABkAAAAAAAAABcAAAAUAAAAAAAAAAAAAAD/fwAA/38AAAAAAAAJAAAABAAAAAAAAAAMAAAAEAAAAAAAAAAAAAAAAAAAAAAAAAAeAAAAaAAAAAAAAAAAAAAAAAAAAAAAAAAAAAAAECcAABAnAAAAAAAAAAAAAAAAAAAAAAAAAAAAAAAAAAAAAAAAAAAAABQAAAAAAAAAwMD/AAAAAABkAAAAMgAAAAAAAABkAAAAAAAAAH9/fwAKAAAAHwAAAFQAAAD///8A////AQAAAAAAAAAAAAAAAAAAAAAAAAAAAAAAAAAAAAAAAAAAAAAAAH9/fwDu7OEDzMzMAMDA/wB/f38AAAAAAAAAAAAAAAAAAAAAAAAAAAAhAAAAGAAAABQAAADIBQAAiQsAAHpIAACpDwAAEAAAACYAAAAIAAAAAQAAAAAAAAA="/>
               </a:ext>
             </a:extLst>
           </p:cNvSpPr>
@@ -5703,7 +5832,7 @@
               <a:defRPr lang="en-gb"/>
             </a:pPr>
             <a:r>
-              <a:t>Approach – Watch face application </a:t>
+              <a:t>Discussion - First approach</a:t>
             </a:r>
           </a:p>
         </p:txBody>
@@ -5715,7 +5844,7 @@
             <a:spLocks noGrp="1" noChangeArrowheads="1"/>
             <a:extLst>
               <a:ext uri="smNativeData">
-                <pr:smNativeData xmlns:pr="smNativeData" val="SMDATA_13_eIVQYBMAAAAlAAAAZAAAAA0AAAAAAAAAAAAAAAAAAAAAAAAAAAAAAAAAAAAAAAAAAAEAAABQAAAAAAAAAAAA4D8AAAAAAADgPwAAAAAAAOA/AAAAAAAA4D8AAAAAAADgPwAAAAAAAOA/AAAAAAAA4D8AAAAAAADgPwAAAAAAAOA/AAAAAAAA4D8CAAAAjAAAAAAAAAAAAAAA////AP///wgAAAAAAAAAAAAAAAAAAAAAAAAAAAAAAAAAAAAAeAAAAAEAAABAAAAAAAAAAAAAAABaAAAAAAAAAAAAAAAAAAAAAAAAAAAAAAAAAAAAAAAAAAAAAAAAAAAAAAAAAAAAAAAAAAAAAAAAAAAAAAAAAAAAAAAAAAAAAAAAAAAAFAAAADwAAAAAAAAAAAAAAAAAAAAPAAAAAQAAACMAAAAjAAAAIwAAAB4AAAAAAAAAZAAAAGQAAAAAAAAAZAAAAGQAAAAVAAAAYAAAAAAAAAAAAAAADwAAACADAAAAAAAAAAAAAAEAAACgMgAAVgcAAKr4//8BAAAAf39/AAEAAABkAAAAAAAAABQAAABAHwAAAAAAACYAAAAAAAAAwOD//wAAAAAmAAAAZAAAABYAAABMAAAAAAAAAAAAAAAEAAAAAAAAAAEAAADu7OEKAAAAACgAAAAoAAAAZAAAAGQAAAAAAAAAzMzMAAAAAABQAAAAUAAAAGQAAABkAAAAAAAAABcAAAAUAAAAAAAAAAAAAAD/fwAA/38AAAAAAAAJAAAABAAAAAAAAAAMAAAAEAAAAAAAAAAAAAAAAAAAAAAAAAAeAAAAaAAAAAAAAAAAAAAAAAAAAAAAAAAAAAAAECcAABAnAAAAAAAAAAAAAAAAAAAAAAAAAAAAAAAAAAAAAAAAAAAAABQAAAAAAAAAwMD/AAAAAABkAAAAMgAAAAAAAABkAAAAAAAAAH9/fwAKAAAAHwAAAFQAAAD///8A////AQAAAAAAAAAAAAAAAAAAAAAAAAAAAAAAAAAAAAAAAAAAAAAAAH9/fwDu7OEDzMzMAMDA/wB/f38AAAAAAAAAAAAAAAAAAAAAAAAAAAAhAAAAGAAAABQAAADIBQAAwBIAAHpIAACQGwAAEAAAACYAAAAIAAAAAYAAAAAAAAA="/>
+                <pr:smNativeData xmlns:pr="smNativeData" xmlns:p14="http://schemas.microsoft.com/office/powerpoint/2010/main" xmlns="" val="SMDATA_13_eIVQYBMAAAAlAAAAZAAAAA0AAAAAAAAAAAAAAAAAAAAAAAAAAAAAAAAAAAAAAAAAAAEAAABQAAAAAAAAAAAA4D8AAAAAAADgPwAAAAAAAOA/AAAAAAAA4D8AAAAAAADgPwAAAAAAAOA/AAAAAAAA4D8AAAAAAADgPwAAAAAAAOA/AAAAAAAA4D8CAAAAjAAAAAAAAAAAAAAA////AP///wgAAAAAAAAAAAAAAAAAAAAAAAAAAAAAAAAAAAAAeAAAAAEAAABAAAAAAAAAAAAAAABaAAAAAAAAAAAAAAAAAAAAAAAAAAAAAAAAAAAAAAAAAAAAAAAAAAAAAAAAAAAAAAAAAAAAAAAAAAAAAAAAAAAAAAAAAAAAAAAAAAAAFAAAADwAAAAAAAAAAAAAAAAAAAAPAAAAAQAAACMAAAAjAAAAIwAAAB4AAAAAAAAAZAAAAGQAAAAAAAAAZAAAAGQAAAAVAAAAYAAAAAAAAAAAAAAADwAAACADAAAAAAAAAAAAAAEAAACgMgAAVgcAAKr4//8BAAAAf39/AAEAAABkAAAAAAAAABQAAABAHwAAAAAAACYAAAAAAAAAwOD//wAAAAAmAAAAZAAAABYAAABMAAAAAAAAAAAAAAAEAAAAAAAAAAEAAADu7OEKAAAAACgAAAAoAAAAZAAAAGQAAAAAAAAAzMzMAAAAAABQAAAAUAAAAGQAAABkAAAAAAAAABcAAAAUAAAAAAAAAAAAAAD/fwAA/38AAAAAAAAJAAAABAAAAEEAQQAMAAAAEAAAAAAAAAAAAAAAAAAAAAAAAAAeAAAAaAAAAAAAAAAAAAAAAAAAAAAAAAAAAAAAECcAABAnAAAAAAAAAAAAAAAAAAAAAAAAAAAAAAAAAAAAAAAAAAAAABQAAAAAAAAAwMD/AAAAAABkAAAAMgAAAAAAAABkAAAAAAAAAH9/fwAKAAAAHwAAAFQAAAD///8A////AQAAAAAAAAAAAAAAAAAAAAAAAAAAAAAAAAAAAAAAAAAAAAAAAH9/fwDu7OEDzMzMAMDA/wB/f38AAAAAAAAAAAAAAAAAAAAAAAAAAAAhAAAAGAAAABQAAADIBQAAwBIAAHpIAABQMQAAEAAAACYAAAAIAAAAAYAAAAAAAAA="/>
               </a:ext>
             </a:extLst>
           </p:cNvSpPr>
@@ -5726,7 +5855,7 @@
         <p:spPr>
           <a:xfrm>
             <a:off x="939800" y="3048000"/>
-            <a:ext cx="10841990" cy="1432560"/>
+            <a:ext cx="10841990" cy="4968240"/>
           </a:xfrm>
         </p:spPr>
         <p:txBody>
@@ -5743,7 +5872,7 @@
                 <a:schemeClr val="accent1"/>
               </a:buClr>
               <a:buSzPts val="2910"/>
-              <a:buFont typeface="Wingdings" pitchFamily="0" charset="0"/>
+              <a:buFont typeface="Wingdings" charset="0"/>
               <a:buChar char="§"/>
               <a:tabLst/>
               <a:defRPr lang="de-de" sz="2800" b="0" i="0" baseline="0">
@@ -5774,7 +5903,7 @@
               <a:lnSpc>
                 <a:spcPct val="150000"/>
               </a:lnSpc>
-              <a:buFont typeface="Wingdings" pitchFamily="0" charset="0"/>
+              <a:buFont typeface="Wingdings" charset="0"/>
               <a:buChar char="§"/>
               <a:defRPr lang="de-de" sz="2000" b="0" i="0" baseline="0">
                 <a:solidFill>
@@ -5809,22 +5938,69 @@
               <a:defRPr lang="de-de"/>
             </a:pPr>
             <a:r>
-              <a:t>Normal mode</a:t>
-            </a:r>
-          </a:p>
-          <a:p>
-            <a:pPr>
-              <a:defRPr lang="de-de"/>
-            </a:pPr>
-            <a:r>
-              <a:t>Ambient mode</a:t>
-            </a:r>
-          </a:p>
-          <a:p>
-            <a:pPr>
-              <a:defRPr lang="de-de"/>
-            </a:pPr>
-            <a:endParaRPr lang="en-gb"/>
+              <a:rPr dirty="0"/>
+              <a:t>Global sensor monitoring application</a:t>
+            </a:r>
+          </a:p>
+          <a:p>
+            <a:pPr>
+              <a:defRPr lang="de-de"/>
+            </a:pPr>
+            <a:r>
+              <a:rPr dirty="0"/>
+              <a:t>Detects when a sensor is accessed by other apps</a:t>
+            </a:r>
+          </a:p>
+          <a:p>
+            <a:pPr lvl="1">
+              <a:defRPr lang="de-de"/>
+            </a:pPr>
+            <a:r>
+              <a:rPr dirty="0"/>
+              <a:t>Triggers feedback</a:t>
+            </a:r>
+          </a:p>
+          <a:p>
+            <a:pPr>
+              <a:defRPr lang="de-de" b="1"/>
+            </a:pPr>
+            <a:r>
+              <a:rPr dirty="0"/>
+              <a:t>Not feasible</a:t>
+            </a:r>
+          </a:p>
+          <a:p>
+            <a:pPr lvl="1">
+              <a:defRPr lang="de-de"/>
+            </a:pPr>
+            <a:r>
+              <a:rPr dirty="0"/>
+              <a:t>No API to know if a sensor is being used outside of the app</a:t>
+            </a:r>
+          </a:p>
+          <a:p>
+            <a:pPr lvl="1">
+              <a:defRPr lang="de-de"/>
+            </a:pPr>
+            <a:r>
+              <a:rPr dirty="0"/>
+              <a:t>Required info present in system log</a:t>
+            </a:r>
+          </a:p>
+          <a:p>
+            <a:pPr lvl="2">
+              <a:defRPr lang="de-de"/>
+            </a:pPr>
+            <a:r>
+              <a:rPr dirty="0"/>
+              <a:t>But app has no read access</a:t>
+            </a:r>
+          </a:p>
+          <a:p>
+            <a:pPr>
+              <a:defRPr lang="de-de"/>
+            </a:pPr>
+            <a:endParaRPr lang="en-gb" dirty="0"/>
           </a:p>
         </p:txBody>
       </p:sp>
@@ -5835,7 +6011,7 @@
             <a:spLocks noGrp="1" noChangeArrowheads="1"/>
             <a:extLst>
               <a:ext uri="smNativeData">
-                <pr:smNativeData xmlns:pr="smNativeData" val="SMDATA_13_eIVQYBMAAAAlAAAAZAAAAA0AAAAAAAAAAAAAAAAAAAAAAAAAAAAAAAAAAAAAAAAAAAEAAABQAAAAAAAAAAAA4D8AAAAAAADgPwAAAAAAAOA/AAAAAAAA4D8AAAAAAADgPwAAAAAAAOA/AAAAAAAA4D8AAAAAAADgPwAAAAAAAOA/AAAAAAAA4D8CAAAAjAAAAAAAAAAAAAAA////AP///wgAAAAAAAAAAAAAAAAAAAAAAAAAAAAAAAAAAAAAeAAAAAEAAABAAAAAAAAAAAAAAABaAAAAAAAAAAAAAAAAAAAAAAAAAAAAAAAAAAAAAAAAAAAAAAAAAAAAAAAAAAAAAAAAAAAAAAAAAAAAAAAAAAAAAAAAAAAAAAAAAAAAFAAAADwAAAAAAAAAAAAAAAAAAAAPAAAAAQAAACMAAAAjAAAAIwAAAB4AAAAAAAAAZAAAAGQAAAAAAAAAZAAAAGQAAAAVAAAAYAAAAAAAAAAAAAAADwAAACADAAAAAAAAAAAAAAEAAACgMgAAVgcAAKr4//8BAAAAf39/AAEAAABkAAAAAAAAABQAAABAHwAAAAAAACYAAAAAAAAAwOD//wAAAAAmAAAAZAAAABYAAABMAAAAAAAAAAAAAAAEAAAAAAAAAAEAAADu7OEKAAAAACgAAAAoAAAAZAAAAGQAAAAAAAAAzMzMAAAAAABQAAAAUAAAAGQAAABkAAAAAAAAABcAAAAUAAAAAAAAAAAAAAD/fwAA/38AAAAAAAAJAAAABAAAACAAAAAMAAAAEAAAAAAAAAAAAAAAAAAAAAAAAAAeAAAAaAAAAAAAAAAAAAAAAAAAAAAAAAAAAAAAECcAABAnAAAAAAAAAAAAAAAAAAAAAAAAAAAAAAAAAAAAAAAAAAAAABQAAAAAAAAAwMD/AAAAAABkAAAAMgAAAAAAAABkAAAAAAAAAH9/fwAKAAAAHwAAAFQAAAD///8A////AQAAAAAAAAAAAAAAAAAAAAAAAAAAAAAAAAAAAAAAAAAAAAAAAH9/fwDu7OEDzMzMAMDA/wB/f38AAAAAAAAAAAAAAAAAAAAAAAAAAAAhAAAAGAAAABQAAADqAQAA4DgAAPAKAACYOgAAEAAAACYAAAAIAAAAAAAAAAAAAAA="/>
+                <pr:smNativeData xmlns:pr="smNativeData" xmlns:p14="http://schemas.microsoft.com/office/powerpoint/2010/main" xmlns="" val="SMDATA_13_eIVQYBMAAAAlAAAAZAAAAA0AAAAAAAAAAAAAAAAAAAAAAAAAAAAAAAAAAAAAAAAAAAEAAABQAAAAAAAAAAAA4D8AAAAAAADgPwAAAAAAAOA/AAAAAAAA4D8AAAAAAADgPwAAAAAAAOA/AAAAAAAA4D8AAAAAAADgPwAAAAAAAOA/AAAAAAAA4D8CAAAAjAAAAAAAAAAAAAAA////AP///wgAAAAAAAAAAAAAAAAAAAAAAAAAAAAAAAAAAAAAeAAAAAEAAABAAAAAAAAAAAAAAABaAAAAAAAAAAAAAAAAAAAAAAAAAAAAAAAAAAAAAAAAAAAAAAAAAAAAAAAAAAAAAAAAAAAAAAAAAAAAAAAAAAAAAAAAAAAAAAAAAAAAFAAAADwAAAAAAAAAAAAAAAAAAAAPAAAAAQAAACMAAAAjAAAAIwAAAB4AAAAAAAAAZAAAAGQAAAAAAAAAZAAAAGQAAAAVAAAAYAAAAAAAAAAAAAAADwAAACADAAAAAAAAAAAAAAEAAACgMgAAVgcAAKr4//8BAAAAf39/AAEAAABkAAAAAAAAABQAAABAHwAAAAAAACYAAAAAAAAAwOD//wAAAAAmAAAAZAAAABYAAABMAAAAAAAAAAAAAAAEAAAAAAAAAAEAAADu7OEKAAAAACgAAAAoAAAAZAAAAGQAAAAAAAAAzMzMAAAAAABQAAAAUAAAAGQAAABkAAAAAAAAABcAAAAUAAAAAAAAAAAAAAD/fwAA/38AAAAAAAAJAAAABAAAAEEAQQAMAAAAEAAAAAAAAAAAAAAAAAAAAAAAAAAeAAAAaAAAAAAAAAAAAAAAAAAAAAAAAAAAAAAAECcAABAnAAAAAAAAAAAAAAAAAAAAAAAAAAAAAAAAAAAAAAAAAAAAABQAAAAAAAAAwMD/AAAAAABkAAAAMgAAAAAAAABkAAAAAAAAAH9/fwAKAAAAHwAAAFQAAAD///8A////AQAAAAAAAAAAAAAAAAAAAAAAAAAAAAAAAAAAAAAAAAAAAAAAAH9/fwDu7OEDzMzMAMDA/wB/f38AAAAAAAAAAAAAAAAAAAAAAAAAAAAhAAAAGAAAABQAAADqAQAA4DgAAPAKAACYOgAAEAAAACYAAAAIAAAAAAAAAAAAAAA="/>
               </a:ext>
             </a:extLst>
           </p:cNvSpPr>
@@ -5864,7 +6040,7 @@
             <a:spLocks noGrp="1" noChangeArrowheads="1"/>
             <a:extLst>
               <a:ext uri="smNativeData">
-                <pr:smNativeData xmlns:pr="smNativeData" val="SMDATA_13_eIVQYBMAAAAlAAAAZAAAAA0AAAAAAAAAAAAAAAAAAAAAAAAAAAAAAAAAAAAAAAAAAAEAAABQAAAAAAAAAAAA4D8AAAAAAADgPwAAAAAAAOA/AAAAAAAA4D8AAAAAAADgPwAAAAAAAOA/AAAAAAAA4D8AAAAAAADgPwAAAAAAAOA/AAAAAAAA4D8CAAAAjAAAAAAAAAAAAAAA////AP///wgAAAAAAAAAAAAAAAAAAAAAAAAAAAAAAAAAAAAAeAAAAAEAAABAAAAAAAAAAAAAAABaAAAAAAAAAAAAAAAAAAAAAAAAAAAAAAAAAAAAAAAAAAAAAAAAAAAAAAAAAAAAAAAAAAAAAAAAAAAAAAAAAAAAAAAAAAAAAAAAAAAAFAAAADwAAAAAAAAAAAAAAAAAAAAPAAAAAQAAACMAAAAjAAAAIwAAAB4AAAAAAAAAZAAAAGQAAAAAAAAAZAAAAGQAAAAVAAAAYAAAAAAAAAAAAAAADwAAACADAAAAAAAAAAAAAAEAAACgMgAAVgcAAKr4//8BAAAAf39/AAEAAABkAAAAAAAAABQAAABAHwAAAAAAACYAAAAAAAAAwOD//wAAAAAmAAAAZAAAABYAAABMAAAAAAAAAAAAAAAEAAAAAAAAAAEAAADu7OEKAAAAACgAAAAoAAAAZAAAAGQAAAAAAAAAzMzMAAAAAABQAAAAUAAAAGQAAABkAAAAAAAAABcAAAAUAAAAAAAAAAAAAAD/fwAA/38AAAAAAAAJAAAABAAAAEEAQQAMAAAAEAAAAAAAAAAAAAAAAAAAAAAAAAAeAAAAaAAAAAAAAAAAAAAAAAAAAAAAAAAAAAAAECcAABAnAAAAAAAAAAAAAAAAAAAAAAAAAAAAAAAAAAAAAAAAAAAAABQAAAAAAAAAwMD/AAAAAABkAAAAMgAAAAAAAABkAAAAAAAAAH9/fwAKAAAAHwAAAFQAAAD///8A////AQAAAAAAAAAAAAAAAAAAAAAAAAAAAAAAAAAAAAAAAAAAAAAAAH9/fwDu7OEDzMzMAMDA/wB/f38AAAAAAAAAAAAAAAAAAAAAAAAAAAAhAAAAGAAAABQAAADQSAAAGDkAABZOAACYOgAAEAAAACYAAAAIAAAAAAAAAAAAAAA="/>
+                <pr:smNativeData xmlns:pr="smNativeData" xmlns:p14="http://schemas.microsoft.com/office/powerpoint/2010/main" xmlns="" val="SMDATA_13_eIVQYBMAAAAlAAAAZAAAAA0AAAAAAAAAAAAAAAAAAAAAAAAAAAAAAAAAAAAAAAAAAAEAAABQAAAAAAAAAAAA4D8AAAAAAADgPwAAAAAAAOA/AAAAAAAA4D8AAAAAAADgPwAAAAAAAOA/AAAAAAAA4D8AAAAAAADgPwAAAAAAAOA/AAAAAAAA4D8CAAAAjAAAAAAAAAAAAAAA////AP///wgAAAAAAAAAAAAAAAAAAAAAAAAAAAAAAAAAAAAAeAAAAAEAAABAAAAAAAAAAAAAAABaAAAAAAAAAAAAAAAAAAAAAAAAAAAAAAAAAAAAAAAAAAAAAAAAAAAAAAAAAAAAAAAAAAAAAAAAAAAAAAAAAAAAAAAAAAAAAAAAAAAAFAAAADwAAAAAAAAAAAAAAAAAAAAPAAAAAQAAACMAAAAjAAAAIwAAAB4AAAAAAAAAZAAAAGQAAAAAAAAAZAAAAGQAAAAVAAAAYAAAAAAAAAAAAAAADwAAACADAAAAAAAAAAAAAAEAAACgMgAAVgcAAKr4//8BAAAAf39/AAEAAABkAAAAAAAAABQAAABAHwAAAAAAACYAAAAAAAAAwOD//wAAAAAmAAAAZAAAABYAAABMAAAAAAAAAAAAAAAEAAAAAAAAAAEAAADu7OEKAAAAACgAAAAoAAAAZAAAAGQAAAAAAAAAzMzMAAAAAABQAAAAUAAAAGQAAABkAAAAAAAAABcAAAAUAAAAAAAAAAAAAAD/fwAA/38AAAAAAAAJAAAABAAAAAAAAAAMAAAAEAAAAAAAAAAAAAAAAAAAAAAAAAAeAAAAaAAAAAAAAAAAAAAAAAAAAAAAAAAAAAAAECcAABAnAAAAAAAAAAAAAAAAAAAAAAAAAAAAAAAAAAAAAAAAAAAAABQAAAAAAAAAwMD/AAAAAABkAAAAMgAAAAAAAABkAAAAAAAAAH9/fwAKAAAAHwAAAFQAAAD///8A////AQAAAAAAAAAAAAAAAAAAAAAAAAAAAAAAAAAAAAAAAAAAAAAAAH9/fwDu7OEDzMzMAMDA/wB/f38AAAAAAAAAAAAAAAAAAAAAAAAAAAAhAAAAGAAAABQAAADQSAAAGDkAABZOAACYOgAAEAAAACYAAAAIAAAAAAAAAAAAAAA="/>
               </a:ext>
             </a:extLst>
           </p:cNvSpPr>
@@ -5880,9 +6056,10 @@
             <a:pPr>
               <a:defRPr lang="de-de"/>
             </a:pPr>
-            <a:fld id="{784215A2-EC95-17E3-DBFA-1AB65BB42D4F}" type="slidenum">
+            <a:fld id="{4A8BD310-5EA7-DE25-E933-A8709D7D1FFD}" type="slidenum">
               <a:t>13</a:t>
             </a:fld>
+            <a:endParaRPr/>
           </a:p>
         </p:txBody>
       </p:sp>
@@ -5891,18 +6068,11 @@
   <p:clrMapOvr>
     <a:masterClrMapping/>
   </p:clrMapOvr>
-  <p:timing>
-    <p:tnLst>
-      <p:par>
-        <p:cTn id="1" dur="indefinite" restart="never" nodeType="tmRoot"/>
-      </p:par>
-    </p:tnLst>
-  </p:timing>
 </p:sld>
 </file>
 
 <file path=ppt/slides/slide14.xml><?xml version="1.0" encoding="utf-8"?>
-<p:sld xmlns:p="http://schemas.openxmlformats.org/presentationml/2006/main" xmlns:p14="http://schemas.microsoft.com/office/powerpoint/2010/main" xmlns:r="http://schemas.openxmlformats.org/officeDocument/2006/relationships" xmlns:a="http://schemas.openxmlformats.org/drawingml/2006/main">
+<p:sld xmlns:a="http://schemas.openxmlformats.org/drawingml/2006/main" xmlns:r="http://schemas.openxmlformats.org/officeDocument/2006/relationships" xmlns:p="http://schemas.openxmlformats.org/presentationml/2006/main">
   <p:cSld>
     <p:spTree>
       <p:nvGrpSpPr>
@@ -5925,7 +6095,7 @@
             <a:spLocks noGrp="1" noChangeArrowheads="1"/>
             <a:extLst>
               <a:ext uri="smNativeData">
-                <pr:smNativeData xmlns:pr="smNativeData" val="SMDATA_13_eIVQYBMAAAAlAAAAZAAAAA0AAAAAAAAAAAAAAAAAAAAAAAAAAAAAAAAAAAAAAAAAAAEAAABQAAAAAAAAAAAA4D8AAAAAAADgPwAAAAAAAOA/AAAAAAAA4D8AAAAAAADgPwAAAAAAAOA/AAAAAAAA4D8AAAAAAADgPwAAAAAAAOA/AAAAAAAA4D8CAAAAjAAAAAAAAAAAAAAA////AP///wgAAAAAAAAAAAAAAAAAAAAAAAAAAAAAAAAAAAAAeAAAAAEAAABAAAAAAAAAAAAAAABaAAAAAAAAAAAAAAAAAAAAAAAAAAAAAAAAAAAAAAAAAAAAAAAAAAAAAAAAAAAAAAAAAAAAAAAAAAAAAAAAAAAAAAAAAAAAAAAAAAAAFAAAADwAAAAAAAAAAAAAAAAAAAAPAAAAAQAAACMAAAAjAAAAIwAAAB4AAAAAAAAAZAAAAGQAAAAAAAAAZAAAAGQAAAAVAAAAYAAAAAAAAAAAAAAADwAAACADAAAAAAAAAAAAAAEAAACgMgAAVgcAAKr4//8BAAAAf39/AAEAAABkAAAAAAAAABQAAABAHwAAAAAAACYAAAAAAAAAwOD//wAAAAAmAAAAZAAAABYAAABMAAAAAAAAAAAAAAAEAAAAAAAAAAEAAADu7OEKAAAAACgAAAAoAAAAZAAAAGQAAAAAAAAAzMzMAAAAAABQAAAAUAAAAGQAAABkAAAAAAAAABcAAAAUAAAAAAAAAAAAAAD/fwAA/38AAAAAAAAJAAAABAAAAAAAAAAMAAAAEAAAAAAAAAAAAAAAAAAAAAAAAAAeAAAAaAAAAAAAAAAAAAAAAAAAAAAAAAAAAAAAECcAABAnAAAAAAAAAAAAAAAAAAAAAAAAAAAAAAAAAAAAAAAAAAAAABQAAAAAAAAAwMD/AAAAAABkAAAAMgAAAAAAAABkAAAAAAAAAH9/fwAKAAAAHwAAAFQAAAD///8A////AQAAAAAAAAAAAAAAAAAAAAAAAAAAAAAAAAAAAAAAAAAAAAAAAH9/fwDu7OEDzMzMAMDA/wB/f38AAAAAAAAAAAAAAAAAAAAAAAAAAAAhAAAAGAAAABQAAADIBQAAiQsAAHpIAACpDwAAEAAAACYAAAAIAAAAAQAAAAAAAAA="/>
+                <pr:smNativeData xmlns:pr="smNativeData" xmlns:p14="http://schemas.microsoft.com/office/powerpoint/2010/main" xmlns="" val="SMDATA_13_eIVQYBMAAAAlAAAAZAAAAA0AAAAAAAAAAAAAAAAAAAAAAAAAAAAAAAAAAAAAAAAAAAEAAABQAAAAAAAAAAAA4D8AAAAAAADgPwAAAAAAAOA/AAAAAAAA4D8AAAAAAADgPwAAAAAAAOA/AAAAAAAA4D8AAAAAAADgPwAAAAAAAOA/AAAAAAAA4D8CAAAAjAAAAAAAAAAAAAAA////AP///wgAAAAAAAAAAAAAAAAAAAAAAAAAAAAAAAAAAAAAeAAAAAEAAABAAAAAAAAAAAAAAABaAAAAAAAAAAAAAAAAAAAAAAAAAAAAAAAAAAAAAAAAAAAAAAAAAAAAAAAAAAAAAAAAAAAAAAAAAAAAAAAAAAAAAAAAAAAAAAAAAAAAFAAAADwAAAAAAAAAAAAAAAAAAAAPAAAAAQAAACMAAAAjAAAAIwAAAB4AAAAAAAAAZAAAAGQAAAAAAAAAZAAAAGQAAAAVAAAAYAAAAAAAAAAAAAAADwAAACADAAAAAAAAAAAAAAEAAACgMgAAVgcAAKr4//8BAAAAf39/AAEAAABkAAAAAAAAABQAAABAHwAAAAAAACYAAAAAAAAAwOD//wAAAAAmAAAAZAAAABYAAABMAAAAAAAAAAAAAAAEAAAAAAAAAAEAAADu7OEKAAAAACgAAAAoAAAAZAAAAGQAAAAAAAAAzMzMAAAAAABQAAAAUAAAAGQAAABkAAAAAAAAABcAAAAUAAAAAAAAAAAAAAD/fwAA/38AAAAAAAAJAAAABAAAAGwAAAAMAAAAEAAAAAAAAAAAAAAAAAAAAAAAAAAeAAAAaAAAAAAAAAAAAAAAAAAAAAAAAAAAAAAAECcAABAnAAAAAAAAAAAAAAAAAAAAAAAAAAAAAAAAAAAAAAAAAAAAABQAAAAAAAAAwMD/AAAAAABkAAAAMgAAAAAAAABkAAAAAAAAAH9/fwAKAAAAHwAAAFQAAAD///8A////AQAAAAAAAAAAAAAAAAAAAAAAAAAAAAAAAAAAAAAAAAAAAAAAAH9/fwDu7OEDzMzMAMDA/wB/f38AAAAAAAAAAAAAAAAAAAAAAAAAAAAhAAAAGAAAABQAAADIBQAAiQsAAHpIAACpDwAAEAAAACYAAAAIAAAAAQAAAAAAAAA="/>
               </a:ext>
             </a:extLst>
           </p:cNvSpPr>
@@ -5947,7 +6117,7 @@
               <a:defRPr lang="en-gb"/>
             </a:pPr>
             <a:r>
-              <a:t>Discussion - First approach</a:t>
+              <a:t>Discussion - Second approach</a:t>
             </a:r>
           </a:p>
         </p:txBody>
@@ -5959,7 +6129,7 @@
             <a:spLocks noGrp="1" noChangeArrowheads="1"/>
             <a:extLst>
               <a:ext uri="smNativeData">
-                <pr:smNativeData xmlns:pr="smNativeData" val="SMDATA_13_eIVQYBMAAAAlAAAAZAAAAA0AAAAAAAAAAAAAAAAAAAAAAAAAAAAAAAAAAAAAAAAAAAEAAABQAAAAAAAAAAAA4D8AAAAAAADgPwAAAAAAAOA/AAAAAAAA4D8AAAAAAADgPwAAAAAAAOA/AAAAAAAA4D8AAAAAAADgPwAAAAAAAOA/AAAAAAAA4D8CAAAAjAAAAAAAAAAAAAAA////AP///wgAAAAAAAAAAAAAAAAAAAAAAAAAAAAAAAAAAAAAeAAAAAEAAABAAAAAAAAAAAAAAABaAAAAAAAAAAAAAAAAAAAAAAAAAAAAAAAAAAAAAAAAAAAAAAAAAAAAAAAAAAAAAAAAAAAAAAAAAAAAAAAAAAAAAAAAAAAAAAAAAAAAFAAAADwAAAAAAAAAAAAAAAAAAAAPAAAAAQAAACMAAAAjAAAAIwAAAB4AAAAAAAAAZAAAAGQAAAAAAAAAZAAAAGQAAAAVAAAAYAAAAAAAAAAAAAAADwAAACADAAAAAAAAAAAAAAEAAACgMgAAVgcAAKr4//8BAAAAf39/AAEAAABkAAAAAAAAABQAAABAHwAAAAAAACYAAAAAAAAAwOD//wAAAAAmAAAAZAAAABYAAABMAAAAAAAAAAAAAAAEAAAAAAAAAAEAAADu7OEKAAAAACgAAAAoAAAAZAAAAGQAAAAAAAAAzMzMAAAAAABQAAAAUAAAAGQAAABkAAAAAAAAABcAAAAUAAAAAAAAAAAAAAD/fwAA/38AAAAAAAAJAAAABAAAAEEAQQAMAAAAEAAAAAAAAAAAAAAAAAAAAAAAAAAeAAAAaAAAAAAAAAAAAAAAAAAAAAAAAAAAAAAAECcAABAnAAAAAAAAAAAAAAAAAAAAAAAAAAAAAAAAAAAAAAAAAAAAABQAAAAAAAAAwMD/AAAAAABkAAAAMgAAAAAAAABkAAAAAAAAAH9/fwAKAAAAHwAAAFQAAAD///8A////AQAAAAAAAAAAAAAAAAAAAAAAAAAAAAAAAAAAAAAAAAAAAAAAAH9/fwDu7OEDzMzMAMDA/wB/f38AAAAAAAAAAAAAAAAAAAAAAAAAAAAhAAAAGAAAABQAAADIBQAAwBIAAHpIAABQMQAAEAAAACYAAAAIAAAAAYAAAAAAAAA="/>
+                <pr:smNativeData xmlns:pr="smNativeData" xmlns:p14="http://schemas.microsoft.com/office/powerpoint/2010/main" xmlns="" val="SMDATA_13_eIVQYBMAAAAlAAAAZAAAAA0AAAAAAAAAAAAAAAAAAAAAAAAAAAAAAAAAAAAAAAAAAAEAAABQAAAAAAAAAAAA4D8AAAAAAADgPwAAAAAAAOA/AAAAAAAA4D8AAAAAAADgPwAAAAAAAOA/AAAAAAAA4D8AAAAAAADgPwAAAAAAAOA/AAAAAAAA4D8CAAAAjAAAAAAAAAAAAAAA////AP///wgAAAAAAAAAAAAAAAAAAAAAAAAAAAAAAAAAAAAAeAAAAAEAAABAAAAAAAAAAAAAAABaAAAAAAAAAAAAAAAAAAAAAAAAAAAAAAAAAAAAAAAAAAAAAAAAAAAAAAAAAAAAAAAAAAAAAAAAAAAAAAAAAAAAAAAAAAAAAAAAAAAAFAAAADwAAAAAAAAAAAAAAAAAAAAPAAAAAQAAACMAAAAjAAAAIwAAAB4AAAAAAAAAZAAAAGQAAAAAAAAAZAAAAGQAAAAVAAAAYAAAAAAAAAAAAAAADwAAACADAAAAAAAAAAAAAAEAAACgMgAAVgcAAKr4//8BAAAAf39/AAEAAABkAAAAAAAAABQAAABAHwAAAAAAACYAAAAAAAAAwOD//wAAAAAmAAAAZAAAABYAAABMAAAAAAAAAAAAAAAEAAAAAAAAAAEAAADu7OEKAAAAACgAAAAoAAAAZAAAAGQAAAAAAAAAzMzMAAAAAABQAAAAUAAAAGQAAABkAAAAAAAAABcAAAAUAAAAAAAAAAAAAAD/fwAA/38AAAAAAAAJAAAABAAAAAAAAAAMAAAAEAAAAAAAAAAAAAAAAAAAAAAAAAAeAAAAaAAAAAAAAAAAAAAAAAAAAAAAAAAAAAAAECcAABAnAAAAAAAAAAAAAAAAAAAAAAAAAAAAAAAAAAAAAAAAAAAAABQAAAAAAAAAwMD/AAAAAABkAAAAMgAAAAAAAABkAAAAAAAAAH9/fwAKAAAAHwAAAFQAAAD///8A////AQAAAAAAAAAAAAAAAAAAAAAAAAAAAAAAAAAAAAAAAAAAAAAAAH9/fwDu7OEDzMzMAMDA/wB/f38AAAAAAAAAAAAAAAAAAAAAAAAAAAAhAAAAGAAAABQAAADIBQAAwBIAAHpIAACoPAAAEAAAACYAAAAIAAAAAYAAAAAAAAA="/>
               </a:ext>
             </a:extLst>
           </p:cNvSpPr>
@@ -5970,7 +6140,7 @@
         <p:spPr>
           <a:xfrm>
             <a:off x="939800" y="3048000"/>
-            <a:ext cx="10841990" cy="4968240"/>
+            <a:ext cx="10841990" cy="6812280"/>
           </a:xfrm>
         </p:spPr>
         <p:txBody>
@@ -5987,7 +6157,7 @@
                 <a:schemeClr val="accent1"/>
               </a:buClr>
               <a:buSzPts val="2910"/>
-              <a:buFont typeface="Wingdings" pitchFamily="0" charset="0"/>
+              <a:buFont typeface="Wingdings" charset="0"/>
               <a:buChar char="§"/>
               <a:tabLst/>
               <a:defRPr lang="de-de" sz="2800" b="0" i="0" baseline="0">
@@ -6018,7 +6188,7 @@
               <a:lnSpc>
                 <a:spcPct val="150000"/>
               </a:lnSpc>
-              <a:buFont typeface="Wingdings" pitchFamily="0" charset="0"/>
+              <a:buFont typeface="Wingdings" charset="0"/>
               <a:buChar char="§"/>
               <a:defRPr lang="de-de" sz="2000" b="0" i="0" baseline="0">
                 <a:solidFill>
@@ -6053,15 +6223,8 @@
               <a:defRPr lang="de-de"/>
             </a:pPr>
             <a:r>
-              <a:t>Global sensor monitoring application</a:t>
-            </a:r>
-          </a:p>
-          <a:p>
-            <a:pPr>
-              <a:defRPr lang="de-de"/>
-            </a:pPr>
-            <a:r>
-              <a:t>Detects when a sensor is accessed by other apps</a:t>
+              <a:rPr dirty="0"/>
+              <a:t>Advantages</a:t>
             </a:r>
           </a:p>
           <a:p>
@@ -6069,15 +6232,17 @@
               <a:defRPr lang="de-de"/>
             </a:pPr>
             <a:r>
-              <a:t>Triggers feedback</a:t>
-            </a:r>
-          </a:p>
-          <a:p>
-            <a:pPr>
-              <a:defRPr lang="de-de" b="1"/>
-            </a:pPr>
-            <a:r>
-              <a:t>Not feasible</a:t>
+              <a:rPr dirty="0"/>
+              <a:t>Good granularity of feedback</a:t>
+            </a:r>
+          </a:p>
+          <a:p>
+            <a:pPr lvl="2">
+              <a:defRPr lang="de-de"/>
+            </a:pPr>
+            <a:r>
+              <a:rPr dirty="0"/>
+              <a:t>Different combinations/intensities of feedback</a:t>
             </a:r>
           </a:p>
           <a:p>
@@ -6085,7 +6250,17 @@
               <a:defRPr lang="de-de"/>
             </a:pPr>
             <a:r>
-              <a:t>No API to know if a sensor is being used outside of the app</a:t>
+              <a:rPr dirty="0"/>
+              <a:t>Gives control to user</a:t>
+            </a:r>
+          </a:p>
+          <a:p>
+            <a:pPr lvl="2">
+              <a:defRPr lang="de-de"/>
+            </a:pPr>
+            <a:r>
+              <a:rPr dirty="0"/>
+              <a:t>Can suspend sensor access with timer</a:t>
             </a:r>
           </a:p>
           <a:p>
@@ -6093,7 +6268,8 @@
               <a:defRPr lang="de-de"/>
             </a:pPr>
             <a:r>
-              <a:t>Required info present in system log</a:t>
+              <a:rPr dirty="0"/>
+              <a:t>Designed to be shared</a:t>
             </a:r>
           </a:p>
           <a:p>
@@ -6101,14 +6277,51 @@
               <a:defRPr lang="de-de"/>
             </a:pPr>
             <a:r>
-              <a:t>But app has no read access</a:t>
-            </a:r>
-          </a:p>
-          <a:p>
-            <a:pPr>
-              <a:defRPr lang="de-de"/>
-            </a:pPr>
-            <a:endParaRPr lang="en-gb"/>
+              <a:rPr dirty="0"/>
+              <a:t>Separated Watch Face + Main App</a:t>
+            </a:r>
+          </a:p>
+          <a:p>
+            <a:pPr>
+              <a:defRPr lang="de-de"/>
+            </a:pPr>
+            <a:r>
+              <a:rPr dirty="0"/>
+              <a:t>Limits</a:t>
+            </a:r>
+          </a:p>
+          <a:p>
+            <a:pPr lvl="1">
+              <a:defRPr lang="de-de"/>
+            </a:pPr>
+            <a:r>
+              <a:rPr dirty="0"/>
+              <a:t>Less generic than first approach</a:t>
+            </a:r>
+          </a:p>
+          <a:p>
+            <a:pPr lvl="1">
+              <a:defRPr lang="de-de"/>
+            </a:pPr>
+            <a:r>
+              <a:rPr dirty="0"/>
+              <a:t>Still only a prototype</a:t>
+            </a:r>
+          </a:p>
+          <a:p>
+            <a:pPr lvl="1">
+              <a:defRPr lang="de-de"/>
+            </a:pPr>
+            <a:r>
+              <a:rPr dirty="0"/>
+              <a:t>Can be bypassed by user</a:t>
+            </a:r>
+          </a:p>
+          <a:p>
+            <a:pPr>
+              <a:defRPr lang="de-de"/>
+            </a:pPr>
+            <a:endParaRPr lang="en-gb" dirty="0"/>
           </a:p>
         </p:txBody>
       </p:sp>
@@ -6119,7 +6332,7 @@
             <a:spLocks noGrp="1" noChangeArrowheads="1"/>
             <a:extLst>
               <a:ext uri="smNativeData">
-                <pr:smNativeData xmlns:pr="smNativeData" val="SMDATA_13_eIVQYBMAAAAlAAAAZAAAAA0AAAAAAAAAAAAAAAAAAAAAAAAAAAAAAAAAAAAAAAAAAAEAAABQAAAAAAAAAAAA4D8AAAAAAADgPwAAAAAAAOA/AAAAAAAA4D8AAAAAAADgPwAAAAAAAOA/AAAAAAAA4D8AAAAAAADgPwAAAAAAAOA/AAAAAAAA4D8CAAAAjAAAAAAAAAAAAAAA////AP///wgAAAAAAAAAAAAAAAAAAAAAAAAAAAAAAAAAAAAAeAAAAAEAAABAAAAAAAAAAAAAAABaAAAAAAAAAAAAAAAAAAAAAAAAAAAAAAAAAAAAAAAAAAAAAAAAAAAAAAAAAAAAAAAAAAAAAAAAAAAAAAAAAAAAAAAAAAAAAAAAAAAAFAAAADwAAAAAAAAAAAAAAAAAAAAPAAAAAQAAACMAAAAjAAAAIwAAAB4AAAAAAAAAZAAAAGQAAAAAAAAAZAAAAGQAAAAVAAAAYAAAAAAAAAAAAAAADwAAACADAAAAAAAAAAAAAAEAAACgMgAAVgcAAKr4//8BAAAAf39/AAEAAABkAAAAAAAAABQAAABAHwAAAAAAACYAAAAAAAAAwOD//wAAAAAmAAAAZAAAABYAAABMAAAAAAAAAAAAAAAEAAAAAAAAAAEAAADu7OEKAAAAACgAAAAoAAAAZAAAAGQAAAAAAAAAzMzMAAAAAABQAAAAUAAAAGQAAABkAAAAAAAAABcAAAAUAAAAAAAAAAAAAAD/fwAA/38AAAAAAAAJAAAABAAAAEEAQQAMAAAAEAAAAAAAAAAAAAAAAAAAAAAAAAAeAAAAaAAAAAAAAAAAAAAAAAAAAAAAAAAAAAAAECcAABAnAAAAAAAAAAAAAAAAAAAAAAAAAAAAAAAAAAAAAAAAAAAAABQAAAAAAAAAwMD/AAAAAABkAAAAMgAAAAAAAABkAAAAAAAAAH9/fwAKAAAAHwAAAFQAAAD///8A////AQAAAAAAAAAAAAAAAAAAAAAAAAAAAAAAAAAAAAAAAAAAAAAAAH9/fwDu7OEDzMzMAMDA/wB/f38AAAAAAAAAAAAAAAAAAAAAAAAAAAAhAAAAGAAAABQAAADqAQAA4DgAAPAKAACYOgAAEAAAACYAAAAIAAAAAAAAAAAAAAA="/>
+                <pr:smNativeData xmlns:pr="smNativeData" xmlns:p14="http://schemas.microsoft.com/office/powerpoint/2010/main" xmlns="" val="SMDATA_13_eIVQYBMAAAAlAAAAZAAAAA0AAAAAAAAAAAAAAAAAAAAAAAAAAAAAAAAAAAAAAAAAAAEAAABQAAAAAAAAAAAA4D8AAAAAAADgPwAAAAAAAOA/AAAAAAAA4D8AAAAAAADgPwAAAAAAAOA/AAAAAAAA4D8AAAAAAADgPwAAAAAAAOA/AAAAAAAA4D8CAAAAjAAAAAAAAAAAAAAA////AP///wgAAAAAAAAAAAAAAAAAAAAAAAAAAAAAAAAAAAAAeAAAAAEAAABAAAAAAAAAAAAAAABaAAAAAAAAAAAAAAAAAAAAAAAAAAAAAAAAAAAAAAAAAAAAAAAAAAAAAAAAAAAAAAAAAAAAAAAAAAAAAAAAAAAAAAAAAAAAAAAAAAAAFAAAADwAAAAAAAAAAAAAAAAAAAAPAAAAAQAAACMAAAAjAAAAIwAAAB4AAAAAAAAAZAAAAGQAAAAAAAAAZAAAAGQAAAAVAAAAYAAAAAAAAAAAAAAADwAAACADAAAAAAAAAAAAAAEAAACgMgAAVgcAAKr4//8BAAAAf39/AAEAAABkAAAAAAAAABQAAABAHwAAAAAAACYAAAAAAAAAwOD//wAAAAAmAAAAZAAAABYAAABMAAAAAAAAAAAAAAAEAAAAAAAAAAEAAADu7OEKAAAAACgAAAAoAAAAZAAAAGQAAAAAAAAAzMzMAAAAAABQAAAAUAAAAGQAAABkAAAAAAAAABcAAAAUAAAAAAAAAAAAAAD/fwAA/38AAAAAAAAJAAAABAAAAAAAAAAMAAAAEAAAAAAAAAAAAAAAAAAAAAAAAAAeAAAAaAAAAAAAAAAAAAAAAAAAAAAAAAAAAAAAECcAABAnAAAAAAAAAAAAAAAAAAAAAAAAAAAAAAAAAAAAAAAAAAAAABQAAAAAAAAAwMD/AAAAAABkAAAAMgAAAAAAAABkAAAAAAAAAH9/fwAKAAAAHwAAAFQAAAD///8A////AQAAAAAAAAAAAAAAAAAAAAAAAAAAAAAAAAAAAAAAAAAAAAAAAH9/fwDu7OEDzMzMAMDA/wB/f38AAAAAAAAAAAAAAAAAAAAAAAAAAAAhAAAAGAAAABQAAADqAQAA4DgAAPAKAACYOgAAEAAAACYAAAAIAAAAAAAAAAAAAAA="/>
               </a:ext>
             </a:extLst>
           </p:cNvSpPr>
@@ -6148,7 +6361,7 @@
             <a:spLocks noGrp="1" noChangeArrowheads="1"/>
             <a:extLst>
               <a:ext uri="smNativeData">
-                <pr:smNativeData xmlns:pr="smNativeData" val="SMDATA_13_eIVQYBMAAAAlAAAAZAAAAA0AAAAAAAAAAAAAAAAAAAAAAAAAAAAAAAAAAAAAAAAAAAEAAABQAAAAAAAAAAAA4D8AAAAAAADgPwAAAAAAAOA/AAAAAAAA4D8AAAAAAADgPwAAAAAAAOA/AAAAAAAA4D8AAAAAAADgPwAAAAAAAOA/AAAAAAAA4D8CAAAAjAAAAAAAAAAAAAAA////AP///wgAAAAAAAAAAAAAAAAAAAAAAAAAAAAAAAAAAAAAeAAAAAEAAABAAAAAAAAAAAAAAABaAAAAAAAAAAAAAAAAAAAAAAAAAAAAAAAAAAAAAAAAAAAAAAAAAAAAAAAAAAAAAAAAAAAAAAAAAAAAAAAAAAAAAAAAAAAAAAAAAAAAFAAAADwAAAAAAAAAAAAAAAAAAAAPAAAAAQAAACMAAAAjAAAAIwAAAB4AAAAAAAAAZAAAAGQAAAAAAAAAZAAAAGQAAAAVAAAAYAAAAAAAAAAAAAAADwAAACADAAAAAAAAAAAAAAEAAACgMgAAVgcAAKr4//8BAAAAf39/AAEAAABkAAAAAAAAABQAAABAHwAAAAAAACYAAAAAAAAAwOD//wAAAAAmAAAAZAAAABYAAABMAAAAAAAAAAAAAAAEAAAAAAAAAAEAAADu7OEKAAAAACgAAAAoAAAAZAAAAGQAAAAAAAAAzMzMAAAAAABQAAAAUAAAAGQAAABkAAAAAAAAABcAAAAUAAAAAAAAAAAAAAD/fwAA/38AAAAAAAAJAAAABAAAAAAAAAAMAAAAEAAAAAAAAAAAAAAAAAAAAAAAAAAeAAAAaAAAAAAAAAAAAAAAAAAAAAAAAAAAAAAAECcAABAnAAAAAAAAAAAAAAAAAAAAAAAAAAAAAAAAAAAAAAAAAAAAABQAAAAAAAAAwMD/AAAAAABkAAAAMgAAAAAAAABkAAAAAAAAAH9/fwAKAAAAHwAAAFQAAAD///8A////AQAAAAAAAAAAAAAAAAAAAAAAAAAAAAAAAAAAAAAAAAAAAAAAAH9/fwDu7OEDzMzMAMDA/wB/f38AAAAAAAAAAAAAAAAAAAAAAAAAAAAhAAAAGAAAABQAAADQSAAAGDkAABZOAACYOgAAEAAAACYAAAAIAAAAAAAAAAAAAAA="/>
+                <pr:smNativeData xmlns:pr="smNativeData" xmlns:p14="http://schemas.microsoft.com/office/powerpoint/2010/main" xmlns="" val="SMDATA_13_eIVQYBMAAAAlAAAAZAAAAA0AAAAAAAAAAAAAAAAAAAAAAAAAAAAAAAAAAAAAAAAAAAEAAABQAAAAAAAAAAAA4D8AAAAAAADgPwAAAAAAAOA/AAAAAAAA4D8AAAAAAADgPwAAAAAAAOA/AAAAAAAA4D8AAAAAAADgPwAAAAAAAOA/AAAAAAAA4D8CAAAAjAAAAAAAAAAAAAAA////AP///wgAAAAAAAAAAAAAAAAAAAAAAAAAAAAAAAAAAAAAeAAAAAEAAABAAAAAAAAAAAAAAABaAAAAAAAAAAAAAAAAAAAAAAAAAAAAAAAAAAAAAAAAAAAAAAAAAAAAAAAAAAAAAAAAAAAAAAAAAAAAAAAAAAAAAAAAAAAAAAAAAAAAFAAAADwAAAAAAAAAAAAAAAAAAAAPAAAAAQAAACMAAAAjAAAAIwAAAB4AAAAAAAAAZAAAAGQAAAAAAAAAZAAAAGQAAAAVAAAAYAAAAAAAAAAAAAAADwAAACADAAAAAAAAAAAAAAEAAACgMgAAVgcAAKr4//8BAAAAf39/AAEAAABkAAAAAAAAABQAAABAHwAAAAAAACYAAAAAAAAAwOD//wAAAAAmAAAAZAAAABYAAABMAAAAAAAAAAAAAAAEAAAAAAAAAAEAAADu7OEKAAAAACgAAAAoAAAAZAAAAGQAAAAAAAAAzMzMAAAAAABQAAAAUAAAAGQAAABkAAAAAAAAABcAAAAUAAAAAAAAAAAAAAD/fwAA/38AAAAAAAAJAAAABAAAAAAAAAAMAAAAEAAAAAAAAAAAAAAAAAAAAAAAAAAeAAAAaAAAAAAAAAAAAAAAAAAAAAAAAAAAAAAAECcAABAnAAAAAAAAAAAAAAAAAAAAAAAAAAAAAAAAAAAAAAAAAAAAABQAAAAAAAAAwMD/AAAAAABkAAAAMgAAAAAAAABkAAAAAAAAAH9/fwAKAAAAHwAAAFQAAAD///8A////AQAAAAAAAAAAAAAAAAAAAAAAAAAAAAAAAAAAAAAAAAAAAAAAAH9/fwDu7OEDzMzMAMDA/wB/f38AAAAAAAAAAAAAAAAAAAAAAAAAAAAhAAAAGAAAABQAAADQSAAAGDkAABZOAACYOgAAEAAAACYAAAAIAAAAAAAAAAAAAAA="/>
               </a:ext>
             </a:extLst>
           </p:cNvSpPr>
@@ -6164,9 +6377,10 @@
             <a:pPr>
               <a:defRPr lang="de-de"/>
             </a:pPr>
-            <a:fld id="{4A8BD310-5EA7-DE25-E933-A8709D7D1FFD}" type="slidenum">
+            <a:fld id="{3D785376-38D0-2DA5-9EC0-CEF01D8E689B}" type="slidenum">
               <a:t>14</a:t>
             </a:fld>
+            <a:endParaRPr/>
           </a:p>
         </p:txBody>
       </p:sp>
@@ -6175,18 +6389,11 @@
   <p:clrMapOvr>
     <a:masterClrMapping/>
   </p:clrMapOvr>
-  <p:timing>
-    <p:tnLst>
-      <p:par>
-        <p:cTn id="1" dur="indefinite" restart="never" nodeType="tmRoot"/>
-      </p:par>
-    </p:tnLst>
-  </p:timing>
 </p:sld>
 </file>
 
 <file path=ppt/slides/slide15.xml><?xml version="1.0" encoding="utf-8"?>
-<p:sld xmlns:p="http://schemas.openxmlformats.org/presentationml/2006/main" xmlns:p14="http://schemas.microsoft.com/office/powerpoint/2010/main" xmlns:r="http://schemas.openxmlformats.org/officeDocument/2006/relationships" xmlns:a="http://schemas.openxmlformats.org/drawingml/2006/main">
+<p:sld xmlns:a="http://schemas.openxmlformats.org/drawingml/2006/main" xmlns:r="http://schemas.openxmlformats.org/officeDocument/2006/relationships" xmlns:p="http://schemas.openxmlformats.org/presentationml/2006/main">
   <p:cSld>
     <p:spTree>
       <p:nvGrpSpPr>
@@ -6209,7 +6416,7 @@
             <a:spLocks noGrp="1" noChangeArrowheads="1"/>
             <a:extLst>
               <a:ext uri="smNativeData">
-                <pr:smNativeData xmlns:pr="smNativeData" val="SMDATA_13_eIVQYBMAAAAlAAAAZAAAAA0AAAAAAAAAAAAAAAAAAAAAAAAAAAAAAAAAAAAAAAAAAAEAAABQAAAAAAAAAAAA4D8AAAAAAADgPwAAAAAAAOA/AAAAAAAA4D8AAAAAAADgPwAAAAAAAOA/AAAAAAAA4D8AAAAAAADgPwAAAAAAAOA/AAAAAAAA4D8CAAAAjAAAAAAAAAAAAAAA////AP///wgAAAAAAAAAAAAAAAAAAAAAAAAAAAAAAAAAAAAAeAAAAAEAAABAAAAAAAAAAAAAAABaAAAAAAAAAAAAAAAAAAAAAAAAAAAAAAAAAAAAAAAAAAAAAAAAAAAAAAAAAAAAAAAAAAAAAAAAAAAAAAAAAAAAAAAAAAAAAAAAAAAAFAAAADwAAAAAAAAAAAAAAAAAAAAPAAAAAQAAACMAAAAjAAAAIwAAAB4AAAAAAAAAZAAAAGQAAAAAAAAAZAAAAGQAAAAVAAAAYAAAAAAAAAAAAAAADwAAACADAAAAAAAAAAAAAAEAAACgMgAAVgcAAKr4//8BAAAAf39/AAEAAABkAAAAAAAAABQAAABAHwAAAAAAACYAAAAAAAAAwOD//wAAAAAmAAAAZAAAABYAAABMAAAAAAAAAAAAAAAEAAAAAAAAAAEAAADu7OEKAAAAACgAAAAoAAAAZAAAAGQAAAAAAAAAzMzMAAAAAABQAAAAUAAAAGQAAABkAAAAAAAAABcAAAAUAAAAAAAAAAAAAAD/fwAA/38AAAAAAAAJAAAABAAAAGwAAAAMAAAAEAAAAAAAAAAAAAAAAAAAAAAAAAAeAAAAaAAAAAAAAAAAAAAAAAAAAAAAAAAAAAAAECcAABAnAAAAAAAAAAAAAAAAAAAAAAAAAAAAAAAAAAAAAAAAAAAAABQAAAAAAAAAwMD/AAAAAABkAAAAMgAAAAAAAABkAAAAAAAAAH9/fwAKAAAAHwAAAFQAAAD///8A////AQAAAAAAAAAAAAAAAAAAAAAAAAAAAAAAAAAAAAAAAAAAAAAAAH9/fwDu7OEDzMzMAMDA/wB/f38AAAAAAAAAAAAAAAAAAAAAAAAAAAAhAAAAGAAAABQAAADIBQAAiQsAAHpIAACpDwAAEAAAACYAAAAIAAAAAQAAAAAAAAA="/>
+                <pr:smNativeData xmlns:pr="smNativeData" xmlns:p14="http://schemas.microsoft.com/office/powerpoint/2010/main" xmlns="" val="SMDATA_13_eIVQYBMAAAAlAAAAZAAAAA0AAAAAAAAAAAAAAAAAAAAAAAAAAAAAAAAAAAAAAAAAAAEAAABQAAAAAAAAAAAA4D8AAAAAAADgPwAAAAAAAOA/AAAAAAAA4D8AAAAAAADgPwAAAAAAAOA/AAAAAAAA4D8AAAAAAADgPwAAAAAAAOA/AAAAAAAA4D8CAAAAjAAAAAAAAAAAAAAA////AP///wgAAAAAAAAAAAAAAAAAAAAAAAAAAAAAAAAAAAAAeAAAAAEAAABAAAAAAAAAAAAAAABaAAAAAAAAAAAAAAAAAAAAAAAAAAAAAAAAAAAAAAAAAAAAAAAAAAAAAAAAAAAAAAAAAAAAAAAAAAAAAAAAAAAAAAAAAAAAAAAAAAAAFAAAADwAAAAAAAAAAAAAAAAAAAAPAAAAAQAAACMAAAAjAAAAIwAAAB4AAAAAAAAAZAAAAGQAAAAAAAAAZAAAAGQAAAAVAAAAYAAAAAAAAAAAAAAADwAAACADAAAAAAAAAAAAAAEAAACgMgAAVgcAAKr4//8BAAAAf39/AAEAAABkAAAAAAAAABQAAABAHwAAAAAAACYAAAAAAAAAwOD//wAAAAAmAAAAZAAAABYAAABMAAAAAAAAAAAAAAAEAAAAAAAAAAEAAADu7OEKAAAAACgAAAAoAAAAZAAAAGQAAAAAAAAAzMzMAAAAAABQAAAAUAAAAGQAAABkAAAAAAAAABcAAAAUAAAAAAAAAAAAAAD/fwAA/38AAAAAAAAJAAAABAAAAAAAAAAMAAAAEAAAAAAAAAAAAAAAAAAAAAAAAAAeAAAAaAAAAAAAAAAAAAAAAAAAAAAAAAAAAAAAECcAABAnAAAAAAAAAAAAAAAAAAAAAAAAAAAAAAAAAAAAAAAAAAAAABQAAAAAAAAAwMD/AAAAAABkAAAAMgAAAAAAAABkAAAAAAAAAH9/fwAKAAAAHwAAAFQAAAD///8A////AQAAAAAAAAAAAAAAAAAAAAAAAAAAAAAAAAAAAAAAAAAAAAAAAH9/fwDu7OEDzMzMAMDA/wB/f38AAAAAAAAAAAAAAAAAAAAAAAAAAAAhAAAAGAAAABQAAADIBQAAiQsAAHpIAACzDwAAEAAAACYAAAAIAAAAAAAAAAAAAAA="/>
               </a:ext>
             </a:extLst>
           </p:cNvSpPr>
@@ -6217,21 +6424,17 @@
             <p:ph type="title"/>
           </p:nvPr>
         </p:nvSpPr>
-        <p:spPr>
-          <a:xfrm>
-            <a:off x="939800" y="1875155"/>
-            <a:ext cx="10841990" cy="670560"/>
-          </a:xfrm>
-        </p:spPr>
+        <p:spPr/>
         <p:txBody>
           <a:bodyPr/>
           <a:lstStyle/>
           <a:p>
             <a:pPr>
-              <a:defRPr lang="en-gb"/>
-            </a:pPr>
-            <a:r>
-              <a:t>Discussion - Second approach</a:t>
+              <a:defRPr lang="de-de"/>
+            </a:pPr>
+            <a:r>
+              <a:rPr lang="en-gb"/>
+              <a:t>Conclusion</a:t>
             </a:r>
           </a:p>
         </p:txBody>
@@ -6243,7 +6446,7 @@
             <a:spLocks noGrp="1" noChangeArrowheads="1"/>
             <a:extLst>
               <a:ext uri="smNativeData">
-                <pr:smNativeData xmlns:pr="smNativeData" val="SMDATA_13_eIVQYBMAAAAlAAAAZAAAAA0AAAAAAAAAAAAAAAAAAAAAAAAAAAAAAAAAAAAAAAAAAAEAAABQAAAAAAAAAAAA4D8AAAAAAADgPwAAAAAAAOA/AAAAAAAA4D8AAAAAAADgPwAAAAAAAOA/AAAAAAAA4D8AAAAAAADgPwAAAAAAAOA/AAAAAAAA4D8CAAAAjAAAAAAAAAAAAAAA////AP///wgAAAAAAAAAAAAAAAAAAAAAAAAAAAAAAAAAAAAAeAAAAAEAAABAAAAAAAAAAAAAAABaAAAAAAAAAAAAAAAAAAAAAAAAAAAAAAAAAAAAAAAAAAAAAAAAAAAAAAAAAAAAAAAAAAAAAAAAAAAAAAAAAAAAAAAAAAAAAAAAAAAAFAAAADwAAAAAAAAAAAAAAAAAAAAPAAAAAQAAACMAAAAjAAAAIwAAAB4AAAAAAAAAZAAAAGQAAAAAAAAAZAAAAGQAAAAVAAAAYAAAAAAAAAAAAAAADwAAACADAAAAAAAAAAAAAAEAAACgMgAAVgcAAKr4//8BAAAAf39/AAEAAABkAAAAAAAAABQAAABAHwAAAAAAACYAAAAAAAAAwOD//wAAAAAmAAAAZAAAABYAAABMAAAAAAAAAAAAAAAEAAAAAAAAAAEAAADu7OEKAAAAACgAAAAoAAAAZAAAAGQAAAAAAAAAzMzMAAAAAABQAAAAUAAAAGQAAABkAAAAAAAAABcAAAAUAAAAAAAAAAAAAAD/fwAA/38AAAAAAAAJAAAABAAAAAAAAAAMAAAAEAAAAAAAAAAAAAAAAAAAAAAAAAAeAAAAaAAAAAAAAAAAAAAAAAAAAAAAAAAAAAAAECcAABAnAAAAAAAAAAAAAAAAAAAAAAAAAAAAAAAAAAAAAAAAAAAAABQAAAAAAAAAwMD/AAAAAABkAAAAMgAAAAAAAABkAAAAAAAAAH9/fwAKAAAAHwAAAFQAAAD///8A////AQAAAAAAAAAAAAAAAAAAAAAAAAAAAAAAAAAAAAAAAAAAAAAAAH9/fwDu7OEDzMzMAMDA/wB/f38AAAAAAAAAAAAAAAAAAAAAAAAAAAAhAAAAGAAAABQAAADIBQAAwBIAAHpIAACoPAAAEAAAACYAAAAIAAAAAYAAAAAAAAA="/>
+                <pr:smNativeData xmlns:pr="smNativeData" xmlns:p14="http://schemas.microsoft.com/office/powerpoint/2010/main" xmlns="" val="SMDATA_13_eIVQYBMAAAAlAAAAZAAAAA0AAAAAAAAAAAAAAAAAAAAAAAAAAAAAAAAAAAAAAAAAAAEAAABQAAAAAAAAAAAA4D8AAAAAAADgPwAAAAAAAOA/AAAAAAAA4D8AAAAAAADgPwAAAAAAAOA/AAAAAAAA4D8AAAAAAADgPwAAAAAAAOA/AAAAAAAA4D8CAAAAjAAAAAAAAAAAAAAA////AP///wgAAAAAAAAAAAAAAAAAAAAAAAAAAAAAAAAAAAAAeAAAAAEAAABAAAAAAAAAAAAAAABaAAAAAAAAAAAAAAAAAAAAAAAAAAAAAAAAAAAAAAAAAAAAAAAAAAAAAAAAAAAAAAAAAAAAAAAAAAAAAAAAAAAAAAAAAAAAAAAAAAAAFAAAADwAAAAAAAAAAAAAAAAAAAAPAAAAAQAAACMAAAAjAAAAIwAAAB4AAAAAAAAAZAAAAGQAAAAAAAAAZAAAAGQAAAAVAAAAYAAAAAAAAAAAAAAADwAAACADAAAAAAAAAAAAAAEAAACgMgAAVgcAAKr4//8BAAAAf39/AAEAAABkAAAAAAAAABQAAABAHwAAAAAAACYAAAAAAAAAwOD//wAAAAAmAAAAZAAAABYAAABMAAAAAAAAAAAAAAAEAAAAAAAAAAEAAADu7OEKAAAAACgAAAAoAAAAZAAAAGQAAAAAAAAAzMzMAAAAAABQAAAAUAAAAGQAAABkAAAAAAAAABcAAAAUAAAAAAAAAAAAAAD/fwAA/38AAAAAAAAJAAAABAAAAAAAAAAMAAAAEAAAAAAAAAAAAAAAAAAAAAAAAAAeAAAAaAAAAAAAAAAAAAAAAAAAAAAAAAAAAAAAECcAABAnAAAAAAAAAAAAAAAAAAAAAAAAAAAAAAAAAAAAAAAAAAAAABQAAAAAAAAAwMD/AAAAAABkAAAAMgAAAAAAAABkAAAAAAAAAH9/fwAKAAAAHwAAAFQAAAD///8A////AQAAAAAAAAAAAAAAAAAAAAAAAAAAAAAAAAAAAAAAAAAAAAAAAH9/fwDu7OEDzMzMAMDA/wB/f38AAAAAAAAAAAAAAAAAAAAAAAAAAAAhAAAAGAAAABQAAADIBQAAwBIAAHpIAAAYKgAAEAAAACYAAAAIAAAAAYAAAAAAAAA="/>
               </a:ext>
             </a:extLst>
           </p:cNvSpPr>
@@ -6254,7 +6457,7 @@
         <p:spPr>
           <a:xfrm>
             <a:off x="939800" y="3048000"/>
-            <a:ext cx="10841990" cy="6812280"/>
+            <a:ext cx="10841990" cy="3794760"/>
           </a:xfrm>
         </p:spPr>
         <p:txBody>
@@ -6271,7 +6474,7 @@
                 <a:schemeClr val="accent1"/>
               </a:buClr>
               <a:buSzPts val="2910"/>
-              <a:buFont typeface="Wingdings" pitchFamily="0" charset="0"/>
+              <a:buFont typeface="Wingdings" charset="0"/>
               <a:buChar char="§"/>
               <a:tabLst/>
               <a:defRPr lang="de-de" sz="2800" b="0" i="0" baseline="0">
@@ -6302,7 +6505,7 @@
               <a:lnSpc>
                 <a:spcPct val="150000"/>
               </a:lnSpc>
-              <a:buFont typeface="Wingdings" pitchFamily="0" charset="0"/>
+              <a:buFont typeface="Wingdings" charset="0"/>
               <a:buChar char="§"/>
               <a:defRPr lang="de-de" sz="2000" b="0" i="0" baseline="0">
                 <a:solidFill>
@@ -6337,7 +6540,26 @@
               <a:defRPr lang="de-de"/>
             </a:pPr>
             <a:r>
-              <a:t>Advantages</a:t>
+              <a:rPr dirty="0"/>
+              <a:t>Lack of APIs to have global information about sensors</a:t>
+            </a:r>
+          </a:p>
+          <a:p>
+            <a:pPr>
+              <a:defRPr lang="de-de"/>
+            </a:pPr>
+            <a:r>
+              <a:rPr dirty="0"/>
+              <a:t>Developers must implement transparency mechanisms themselves</a:t>
+            </a:r>
+          </a:p>
+          <a:p>
+            <a:pPr>
+              <a:defRPr lang="de-de"/>
+            </a:pPr>
+            <a:r>
+              <a:rPr dirty="0"/>
+              <a:t>Our solution: </a:t>
             </a:r>
           </a:p>
           <a:p>
@@ -6345,15 +6567,8 @@
               <a:defRPr lang="de-de"/>
             </a:pPr>
             <a:r>
-              <a:t>Good granularity of feedback</a:t>
-            </a:r>
-          </a:p>
-          <a:p>
-            <a:pPr lvl="2">
-              <a:defRPr lang="de-de"/>
-            </a:pPr>
-            <a:r>
-              <a:t>Different combinations/intensities of feedback</a:t>
+              <a:rPr dirty="0"/>
+              <a:t>To be shared to community?</a:t>
             </a:r>
           </a:p>
           <a:p>
@@ -6361,70 +6576,19 @@
               <a:defRPr lang="de-de"/>
             </a:pPr>
             <a:r>
-              <a:t>Gives control to user</a:t>
-            </a:r>
-          </a:p>
-          <a:p>
-            <a:pPr lvl="2">
-              <a:defRPr lang="de-de"/>
-            </a:pPr>
-            <a:r>
-              <a:t>Can suspend sensor access with timer</a:t>
+              <a:rPr dirty="0"/>
+              <a:t>Aims to put users in control + raise data collection awareness</a:t>
             </a:r>
           </a:p>
           <a:p>
             <a:pPr lvl="1">
-              <a:defRPr lang="de-de"/>
-            </a:pPr>
-            <a:r>
-              <a:t>Designed to be shared</a:t>
-            </a:r>
-          </a:p>
-          <a:p>
-            <a:pPr lvl="2">
-              <a:defRPr lang="de-de"/>
-            </a:pPr>
-            <a:r>
-              <a:t>Separated Watch Face + App</a:t>
-            </a:r>
-          </a:p>
-          <a:p>
-            <a:pPr>
-              <a:defRPr lang="de-de"/>
-            </a:pPr>
-            <a:r>
-              <a:t>Limits</a:t>
-            </a:r>
-          </a:p>
-          <a:p>
-            <a:pPr lvl="1">
-              <a:defRPr lang="de-de"/>
-            </a:pPr>
-            <a:r>
-              <a:t>Less generic that first approach</a:t>
-            </a:r>
-          </a:p>
-          <a:p>
-            <a:pPr lvl="1">
-              <a:defRPr lang="de-de"/>
-            </a:pPr>
-            <a:r>
-              <a:t>Still only a prototype</a:t>
-            </a:r>
-          </a:p>
-          <a:p>
-            <a:pPr lvl="1">
-              <a:defRPr lang="de-de"/>
-            </a:pPr>
-            <a:r>
-              <a:t>Can be bypassed by user</a:t>
-            </a:r>
-          </a:p>
-          <a:p>
-            <a:pPr>
-              <a:defRPr lang="de-de"/>
-            </a:pPr>
-            <a:endParaRPr lang="en-gb"/>
+              <a:buChar char="→"/>
+              <a:defRPr lang="de-de"/>
+            </a:pPr>
+            <a:r>
+              <a:rPr dirty="0"/>
+              <a:t> Case Study necessary to assess efficiency</a:t>
+            </a:r>
           </a:p>
         </p:txBody>
       </p:sp>
@@ -6435,7 +6599,7 @@
             <a:spLocks noGrp="1" noChangeArrowheads="1"/>
             <a:extLst>
               <a:ext uri="smNativeData">
-                <pr:smNativeData xmlns:pr="smNativeData" val="SMDATA_13_eIVQYBMAAAAlAAAAZAAAAA0AAAAAAAAAAAAAAAAAAAAAAAAAAAAAAAAAAAAAAAAAAAEAAABQAAAAAAAAAAAA4D8AAAAAAADgPwAAAAAAAOA/AAAAAAAA4D8AAAAAAADgPwAAAAAAAOA/AAAAAAAA4D8AAAAAAADgPwAAAAAAAOA/AAAAAAAA4D8CAAAAjAAAAAAAAAAAAAAA////AP///wgAAAAAAAAAAAAAAAAAAAAAAAAAAAAAAAAAAAAAeAAAAAEAAABAAAAAAAAAAAAAAABaAAAAAAAAAAAAAAAAAAAAAAAAAAAAAAAAAAAAAAAAAAAAAAAAAAAAAAAAAAAAAAAAAAAAAAAAAAAAAAAAAAAAAAAAAAAAAAAAAAAAFAAAADwAAAAAAAAAAAAAAAAAAAAPAAAAAQAAACMAAAAjAAAAIwAAAB4AAAAAAAAAZAAAAGQAAAAAAAAAZAAAAGQAAAAVAAAAYAAAAAAAAAAAAAAADwAAACADAAAAAAAAAAAAAAEAAACgMgAAVgcAAKr4//8BAAAAf39/AAEAAABkAAAAAAAAABQAAABAHwAAAAAAACYAAAAAAAAAwOD//wAAAAAmAAAAZAAAABYAAABMAAAAAAAAAAAAAAAEAAAAAAAAAAEAAADu7OEKAAAAACgAAAAoAAAAZAAAAGQAAAAAAAAAzMzMAAAAAABQAAAAUAAAAGQAAABkAAAAAAAAABcAAAAUAAAAAAAAAAAAAAD/fwAA/38AAAAAAAAJAAAABAAAAAAAAAAMAAAAEAAAAAAAAAAAAAAAAAAAAAAAAAAeAAAAaAAAAAAAAAAAAAAAAAAAAAAAAAAAAAAAECcAABAnAAAAAAAAAAAAAAAAAAAAAAAAAAAAAAAAAAAAAAAAAAAAABQAAAAAAAAAwMD/AAAAAABkAAAAMgAAAAAAAABkAAAAAAAAAH9/fwAKAAAAHwAAAFQAAAD///8A////AQAAAAAAAAAAAAAAAAAAAAAAAAAAAAAAAAAAAAAAAAAAAAAAAH9/fwDu7OEDzMzMAMDA/wB/f38AAAAAAAAAAAAAAAAAAAAAAAAAAAAhAAAAGAAAABQAAADqAQAA4DgAAPAKAACYOgAAEAAAACYAAAAIAAAAAAAAAAAAAAA="/>
+                <pr:smNativeData xmlns:pr="smNativeData" xmlns:p14="http://schemas.microsoft.com/office/powerpoint/2010/main" xmlns="" val="SMDATA_13_eIVQYBMAAAAlAAAAZAAAAA0AAAAAAAAAAAAAAAAAAAAAAAAAAAAAAAAAAAAAAAAAAAEAAABQAAAAAAAAAAAA4D8AAAAAAADgPwAAAAAAAOA/AAAAAAAA4D8AAAAAAADgPwAAAAAAAOA/AAAAAAAA4D8AAAAAAADgPwAAAAAAAOA/AAAAAAAA4D8CAAAAjAAAAAAAAAAAAAAA////AP///wgAAAAAAAAAAAAAAAAAAAAAAAAAAAAAAAAAAAAAeAAAAAEAAABAAAAAAAAAAAAAAABaAAAAAAAAAAAAAAAAAAAAAAAAAAAAAAAAAAAAAAAAAAAAAAAAAAAAAAAAAAAAAAAAAAAAAAAAAAAAAAAAAAAAAAAAAAAAAAAAAAAAFAAAADwAAAAAAAAAAAAAAAAAAAAPAAAAAQAAACMAAAAjAAAAIwAAAB4AAAAAAAAAZAAAAGQAAAAAAAAAZAAAAGQAAAAVAAAAYAAAAAAAAAAAAAAADwAAACADAAAAAAAAAAAAAAEAAACgMgAAVgcAAKr4//8BAAAAf39/AAEAAABkAAAAAAAAABQAAABAHwAAAAAAACYAAAAAAAAAwOD//wAAAAAmAAAAZAAAABYAAABMAAAAAAAAAAAAAAAEAAAAAAAAAAEAAADu7OEKAAAAACgAAAAoAAAAZAAAAGQAAAAAAAAAzMzMAAAAAABQAAAAUAAAAGQAAABkAAAAAAAAABcAAAAUAAAAAAAAAAAAAAD/fwAA/38AAAAAAAAJAAAABAAAAGMAAAAMAAAAEAAAAAAAAAAAAAAAAAAAAAAAAAAeAAAAaAAAAAAAAAAAAAAAAAAAAAAAAAAAAAAAECcAABAnAAAAAAAAAAAAAAAAAAAAAAAAAAAAAAAAAAAAAAAAAAAAABQAAAAAAAAAwMD/AAAAAABkAAAAMgAAAAAAAABkAAAAAAAAAH9/fwAKAAAAHwAAAFQAAAD///8A////AQAAAAAAAAAAAAAAAAAAAAAAAAAAAAAAAAAAAAAAAAAAAAAAAH9/fwDu7OEDzMzMAMDA/wB/f38AAAAAAAAAAAAAAAAAAAAAAAAAAAAhAAAAGAAAABQAAADqAQAA4DgAAPAKAACYOgAAEAAAACYAAAAIAAAAAAAAAAAAAAA="/>
               </a:ext>
             </a:extLst>
           </p:cNvSpPr>
@@ -6464,7 +6628,7 @@
             <a:spLocks noGrp="1" noChangeArrowheads="1"/>
             <a:extLst>
               <a:ext uri="smNativeData">
-                <pr:smNativeData xmlns:pr="smNativeData" val="SMDATA_13_eIVQYBMAAAAlAAAAZAAAAA0AAAAAAAAAAAAAAAAAAAAAAAAAAAAAAAAAAAAAAAAAAAEAAABQAAAAAAAAAAAA4D8AAAAAAADgPwAAAAAAAOA/AAAAAAAA4D8AAAAAAADgPwAAAAAAAOA/AAAAAAAA4D8AAAAAAADgPwAAAAAAAOA/AAAAAAAA4D8CAAAAjAAAAAAAAAAAAAAA////AP///wgAAAAAAAAAAAAAAAAAAAAAAAAAAAAAAAAAAAAAeAAAAAEAAABAAAAAAAAAAAAAAABaAAAAAAAAAAAAAAAAAAAAAAAAAAAAAAAAAAAAAAAAAAAAAAAAAAAAAAAAAAAAAAAAAAAAAAAAAAAAAAAAAAAAAAAAAAAAAAAAAAAAFAAAADwAAAAAAAAAAAAAAAAAAAAPAAAAAQAAACMAAAAjAAAAIwAAAB4AAAAAAAAAZAAAAGQAAAAAAAAAZAAAAGQAAAAVAAAAYAAAAAAAAAAAAAAADwAAACADAAAAAAAAAAAAAAEAAACgMgAAVgcAAKr4//8BAAAAf39/AAEAAABkAAAAAAAAABQAAABAHwAAAAAAACYAAAAAAAAAwOD//wAAAAAmAAAAZAAAABYAAABMAAAAAAAAAAAAAAAEAAAAAAAAAAEAAADu7OEKAAAAACgAAAAoAAAAZAAAAGQAAAAAAAAAzMzMAAAAAABQAAAAUAAAAGQAAABkAAAAAAAAABcAAAAUAAAAAAAAAAAAAAD/fwAA/38AAAAAAAAJAAAABAAAAAAAAAAMAAAAEAAAAAAAAAAAAAAAAAAAAAAAAAAeAAAAaAAAAAAAAAAAAAAAAAAAAAAAAAAAAAAAECcAABAnAAAAAAAAAAAAAAAAAAAAAAAAAAAAAAAAAAAAAAAAAAAAABQAAAAAAAAAwMD/AAAAAABkAAAAMgAAAAAAAABkAAAAAAAAAH9/fwAKAAAAHwAAAFQAAAD///8A////AQAAAAAAAAAAAAAAAAAAAAAAAAAAAAAAAAAAAAAAAAAAAAAAAH9/fwDu7OEDzMzMAMDA/wB/f38AAAAAAAAAAAAAAAAAAAAAAAAAAAAhAAAAGAAAABQAAADQSAAAGDkAABZOAACYOgAAEAAAACYAAAAIAAAAAAAAAAAAAAA="/>
+                <pr:smNativeData xmlns:pr="smNativeData" xmlns:p14="http://schemas.microsoft.com/office/powerpoint/2010/main" xmlns="" val="SMDATA_13_eIVQYBMAAAAlAAAAZAAAAA0AAAAAAAAAAAAAAAAAAAAAAAAAAAAAAAAAAAAAAAAAAAEAAABQAAAAAAAAAAAA4D8AAAAAAADgPwAAAAAAAOA/AAAAAAAA4D8AAAAAAADgPwAAAAAAAOA/AAAAAAAA4D8AAAAAAADgPwAAAAAAAOA/AAAAAAAA4D8CAAAAjAAAAAAAAAAAAAAA////AP///wgAAAAAAAAAAAAAAAAAAAAAAAAAAAAAAAAAAAAAeAAAAAEAAABAAAAAAAAAAAAAAABaAAAAAAAAAAAAAAAAAAAAAAAAAAAAAAAAAAAAAAAAAAAAAAAAAAAAAAAAAAAAAAAAAAAAAAAAAAAAAAAAAAAAAAAAAAAAAAAAAAAAFAAAADwAAAAAAAAAAAAAAAAAAAAPAAAAAQAAACMAAAAjAAAAIwAAAB4AAAAAAAAAZAAAAGQAAAAAAAAAZAAAAGQAAAAVAAAAYAAAAAAAAAAAAAAADwAAACADAAAAAAAAAAAAAAEAAACgMgAAVgcAAKr4//8BAAAAf39/AAEAAABkAAAAAAAAABQAAABAHwAAAAAAACYAAAAAAAAAwOD//wAAAAAmAAAAZAAAABYAAABMAAAAAAAAAAAAAAAEAAAAAAAAAAEAAADu7OEKAAAAACgAAAAoAAAAZAAAAGQAAAAAAAAAzMzMAAAAAABQAAAAUAAAAGQAAABkAAAAAAAAABcAAAAUAAAAAAAAAAAAAAD/fwAA/38AAAAAAAAJAAAABAAAAAAAAAAMAAAAEAAAAAAAAAAAAAAAAAAAAAAAAAAeAAAAaAAAAAAAAAAAAAAAAAAAAAAAAAAAAAAAECcAABAnAAAAAAAAAAAAAAAAAAAAAAAAAAAAAAAAAAAAAAAAAAAAABQAAAAAAAAAwMD/AAAAAABkAAAAMgAAAAAAAABkAAAAAAAAAH9/fwAKAAAAHwAAAFQAAAD///8A////AQAAAAAAAAAAAAAAAAAAAAAAAAAAAAAAAAAAAAAAAAAAAAAAAH9/fwDu7OEDzMzMAMDA/wB/f38AAAAAAAAAAAAAAAAAAAAAAAAAAAAhAAAAGAAAABQAAADQSAAAGDkAABZOAACYOgAAEAAAACYAAAAIAAAAAAAAAAAAAAA="/>
               </a:ext>
             </a:extLst>
           </p:cNvSpPr>
@@ -6480,9 +6644,10 @@
             <a:pPr>
               <a:defRPr lang="de-de"/>
             </a:pPr>
-            <a:fld id="{3D785376-38D0-2DA5-9EC0-CEF01D8E689B}" type="slidenum">
+            <a:fld id="{642D5FD3-9D89-78A9-C795-6BFC11DB313E}" type="slidenum">
               <a:t>15</a:t>
             </a:fld>
+            <a:endParaRPr/>
           </a:p>
         </p:txBody>
       </p:sp>
@@ -6491,18 +6656,11 @@
   <p:clrMapOvr>
     <a:masterClrMapping/>
   </p:clrMapOvr>
-  <p:timing>
-    <p:tnLst>
-      <p:par>
-        <p:cTn id="1" dur="indefinite" restart="never" nodeType="tmRoot"/>
-      </p:par>
-    </p:tnLst>
-  </p:timing>
 </p:sld>
 </file>
 
 <file path=ppt/slides/slide16.xml><?xml version="1.0" encoding="utf-8"?>
-<p:sld xmlns:p="http://schemas.openxmlformats.org/presentationml/2006/main" xmlns:p14="http://schemas.microsoft.com/office/powerpoint/2010/main" xmlns:r="http://schemas.openxmlformats.org/officeDocument/2006/relationships" xmlns:a="http://schemas.openxmlformats.org/drawingml/2006/main">
+<p:sld xmlns:a="http://schemas.openxmlformats.org/drawingml/2006/main" xmlns:r="http://schemas.openxmlformats.org/officeDocument/2006/relationships" xmlns:p="http://schemas.openxmlformats.org/presentationml/2006/main">
   <p:cSld>
     <p:spTree>
       <p:nvGrpSpPr>
@@ -6520,12 +6678,97 @@
       </p:grpSpPr>
       <p:sp>
         <p:nvSpPr>
+          <p:cNvPr id="2" name="Sous-titre 8"/>
+          <p:cNvSpPr>
+            <a:spLocks noGrp="1" noChangeArrowheads="1"/>
+            <a:extLst>
+              <a:ext uri="smNativeData">
+                <pr:smNativeData xmlns:pr="smNativeData" xmlns:p14="http://schemas.microsoft.com/office/powerpoint/2010/main" xmlns="" val="SMDATA_13_eIVQYBMAAAAlAAAAZAAAAA0AAAAAAAAAAAAAAAAAAAAAAAAAAAAAAAAAAAAAAAAAAAEAAABQAAAAAAAAAAAA4D8AAAAAAADgPwAAAAAAAOA/AAAAAAAA4D8AAAAAAADgPwAAAAAAAOA/AAAAAAAA4D8AAAAAAADgPwAAAAAAAOA/AAAAAAAA4D8CAAAAjAAAAAAAAAAAAAAA////AP///wgAAAAAAAAAAAAAAAAAAAAAAAAAAAAAAAAAAAAAeAAAAAEAAABAAAAAAAAAAAAAAABaAAAAAAAAAAAAAAAAAAAAAAAAAAAAAAAAAAAAAAAAAAAAAAAAAAAAAAAAAAAAAAAAAAAAAAAAAAAAAAAAAAAAAAAAAAAAAAAAAAAAFAAAADwAAAAAAAAAAAAAAAAAAAAPAAAAAQAAACMAAAAjAAAAIwAAAB4AAAAAAAAAZAAAAGQAAAAAAAAAZAAAAGQAAAAVAAAAYAAAAAAAAAAAAAAADwAAACADAAAAAAAAAAAAAAEAAACgMgAAVgcAAKr4//8BAAAAf39/AAEAAABkAAAAAAAAABQAAABAHwAAAAAAACYAAAAAAAAAwOD//wAAAAAmAAAAZAAAABYAAABMAAAAAAAAAAAAAAAEAAAAAAAAAAEAAADu7OEKAAAAACgAAAAoAAAAZAAAAGQAAAAAAAAAzMzMAAAAAABQAAAAUAAAAGQAAABkAAAAAAAAABcAAAAUAAAAAAAAAAAAAAD/fwAA/38AAAAAAAAJAAAABAAAAAAAAAAMAAAAEAAAAAAAAAAAAAAAAAAAAAAAAAAeAAAAaAAAAAAAAAAAAAAAAAAAAAAAAAAAAAAAECcAABAnAAAAAAAAAAAAAAAAAAAAAAAAAAAAAAAAAAAAAAAAAAAAABQAAAAAAAAAwMD/AAAAAABkAAAAMgAAAAAAAABkAAAAAAAAAH9/fwAKAAAAHwAAAFQAAAD///8A////AQAAAAAAAAAAAAAAAAAAAAAAAAAAAAAAAAAAAAAAAAAAAAAAAH9/fwDu7OEDzMzMAMDA/wB/f38AAAAAAAAAAAAAAAAAAAAAAAAAAAAhAAAAGAAAABQAAADIBQAAoCMAAMg9AADmJQAAEAAAACYAAAAIAAAAAAAAAAAAAAA="/>
+              </a:ext>
+            </a:extLst>
+          </p:cNvSpPr>
+          <p:nvPr>
+            <p:ph type="subTitle" idx="4"/>
+          </p:nvPr>
+        </p:nvSpPr>
+        <p:spPr/>
+        <p:txBody>
+          <a:bodyPr/>
+          <a:lstStyle/>
+          <a:p>
+            <a:pPr>
+              <a:defRPr lang="de-de"/>
+            </a:pPr>
+            <a:r>
+              <a:rPr lang="en-gb"/>
+              <a:t>Do you have any questions?</a:t>
+            </a:r>
+          </a:p>
+        </p:txBody>
+      </p:sp>
+      <p:sp>
+        <p:nvSpPr>
+          <p:cNvPr id="3" name="Titre 6"/>
+          <p:cNvSpPr>
+            <a:spLocks noGrp="1" noChangeArrowheads="1"/>
+            <a:extLst>
+              <a:ext uri="smNativeData">
+                <pr:smNativeData xmlns:pr="smNativeData" xmlns:p14="http://schemas.microsoft.com/office/powerpoint/2010/main" xmlns="" val="SMDATA_13_eIVQYBMAAAAlAAAAZAAAAA0AAAAAAAAAAAAAAAAAAAAAAAAAAAAAAAAAAAAAAAAAAAEAAABQAAAAAAAAAAAA4D8AAAAAAADgPwAAAAAAAOA/AAAAAAAA4D8AAAAAAADgPwAAAAAAAOA/AAAAAAAA4D8AAAAAAADgPwAAAAAAAOA/AAAAAAAA4D8CAAAAjAAAAAAAAAAAAAAA////AP///wgAAAAAAAAAAAAAAAAAAAAAAAAAAAAAAAAAAAAAeAAAAAEAAABAAAAAAAAAAAAAAABaAAAAAAAAAAAAAAAAAAAAAAAAAAAAAAAAAAAAAAAAAAAAAAAAAAAAAAAAAAAAAAAAAAAAAAAAAAAAAAAAAAAAAAAAAAAAAAAAAAAAFAAAADwAAAAAAAAAAAAAAAAAAAAPAAAAAQAAACMAAAAjAAAAIwAAAB4AAAAAAAAAZAAAAGQAAAAAAAAAZAAAAGQAAAAVAAAAYAAAAAAAAAAAAAAADwAAACADAAAAAAAAAAAAAAEAAACgMgAAVgcAAKr4//8BAAAAf39/AAEAAABkAAAAAAAAABQAAABAHwAAAAAAACYAAAAAAAAAwOD//wAAAAAmAAAAZAAAABYAAABMAAAAAAAAAAAAAAAEAAAAAAAAAAEAAADu7OEKAAAAACgAAAAoAAAAZAAAAGQAAAAAAAAAzMzMAAAAAABQAAAAUAAAAGQAAABkAAAAAAAAABcAAAAUAAAAAAAAAAAAAAD/fwAA/38AAAAAAAAJAAAABAAAAAAAAAAMAAAAEAAAAAAAAAAAAAAAAAAAAAAAAAAeAAAAaAAAAAAAAAAAAAAAAAAAAAAAAAAAAAAAECcAABAnAAAAAAAAAAAAAAAAAAAAAAAAAAAAAAAAAAAAAAAAAAAAABQAAAAAAAAAwMD/AAAAAABkAAAAMgAAAAAAAABkAAAAAAAAAH9/fwAKAAAAHwAAAFQAAAD///8A////AQAAAAAAAAAAAAAAAAAAAAAAAAAAAAAAAAAAAAAAAAAAAAAAAH9/fwDu7OEDzMzMAMDA/wB/f38AAAAAAAAAAAAAAAAAAAAAAAAAAAAhAAAAGAAAABQAAACSBQAAmBwAAERIAABGIgAAEAAAACYAAAAIAAAAAAAAAAAAAAA="/>
+              </a:ext>
+            </a:extLst>
+          </p:cNvSpPr>
+          <p:nvPr>
+            <p:ph type="title"/>
+          </p:nvPr>
+        </p:nvSpPr>
+        <p:spPr/>
+        <p:txBody>
+          <a:bodyPr/>
+          <a:lstStyle/>
+          <a:p>
+            <a:pPr>
+              <a:defRPr lang="de-de"/>
+            </a:pPr>
+            <a:r>
+              <a:rPr lang="en-gb"/>
+              <a:t>Thanks for your attention!</a:t>
+            </a:r>
+          </a:p>
+        </p:txBody>
+      </p:sp>
+    </p:spTree>
+  </p:cSld>
+  <p:clrMapOvr>
+    <a:masterClrMapping/>
+  </p:clrMapOvr>
+</p:sld>
+</file>
+
+<file path=ppt/slides/slide17.xml><?xml version="1.0" encoding="utf-8"?>
+<p:sld xmlns:a="http://schemas.openxmlformats.org/drawingml/2006/main" xmlns:r="http://schemas.openxmlformats.org/officeDocument/2006/relationships" xmlns:p="http://schemas.openxmlformats.org/presentationml/2006/main">
+  <p:cSld>
+    <p:spTree>
+      <p:nvGrpSpPr>
+        <p:cNvPr id="1" name=""/>
+        <p:cNvGrpSpPr/>
+        <p:nvPr/>
+      </p:nvGrpSpPr>
+      <p:grpSpPr>
+        <a:xfrm>
+          <a:off x="0" y="0"/>
+          <a:ext cx="0" cy="0"/>
+          <a:chOff x="0" y="0"/>
+          <a:chExt cx="0" cy="0"/>
+        </a:xfrm>
+      </p:grpSpPr>
+      <p:sp>
+        <p:nvSpPr>
           <p:cNvPr id="2" name="Titre 1"/>
           <p:cNvSpPr>
             <a:spLocks noGrp="1" noChangeArrowheads="1"/>
             <a:extLst>
               <a:ext uri="smNativeData">
-                <pr:smNativeData xmlns:pr="smNativeData" val="SMDATA_13_eIVQYBMAAAAlAAAAZAAAAA0AAAAAAAAAAAAAAAAAAAAAAAAAAAAAAAAAAAAAAAAAAAEAAABQAAAAAAAAAAAA4D8AAAAAAADgPwAAAAAAAOA/AAAAAAAA4D8AAAAAAADgPwAAAAAAAOA/AAAAAAAA4D8AAAAAAADgPwAAAAAAAOA/AAAAAAAA4D8CAAAAjAAAAAAAAAAAAAAA////AP///wgAAAAAAAAAAAAAAAAAAAAAAAAAAAAAAAAAAAAAeAAAAAEAAABAAAAAAAAAAAAAAABaAAAAAAAAAAAAAAAAAAAAAAAAAAAAAAAAAAAAAAAAAAAAAAAAAAAAAAAAAAAAAAAAAAAAAAAAAAAAAAAAAAAAAAAAAAAAAAAAAAAAFAAAADwAAAAAAAAAAAAAAAAAAAAPAAAAAQAAACMAAAAjAAAAIwAAAB4AAAAAAAAAZAAAAGQAAAAAAAAAZAAAAGQAAAAVAAAAYAAAAAAAAAAAAAAADwAAACADAAAAAAAAAAAAAAEAAACgMgAAVgcAAKr4//8BAAAAf39/AAEAAABkAAAAAAAAABQAAABAHwAAAAAAACYAAAAAAAAAwOD//wAAAAAmAAAAZAAAABYAAABMAAAAAAAAAAAAAAAEAAAAAAAAAAEAAADu7OEKAAAAACgAAAAoAAAAZAAAAGQAAAAAAAAAzMzMAAAAAABQAAAAUAAAAGQAAABkAAAAAAAAABcAAAAUAAAAAAAAAAAAAAD/fwAA/38AAAAAAAAJAAAABAAAAAAAAAAMAAAAEAAAAAAAAAAAAAAAAAAAAAAAAAAeAAAAaAAAAAAAAAAAAAAAAAAAAAAAAAAAAAAAECcAABAnAAAAAAAAAAAAAAAAAAAAAAAAAAAAAAAAAAAAAAAAAAAAABQAAAAAAAAAwMD/AAAAAABkAAAAMgAAAAAAAABkAAAAAAAAAH9/fwAKAAAAHwAAAFQAAAD///8A////AQAAAAAAAAAAAAAAAAAAAAAAAAAAAAAAAAAAAAAAAAAAAAAAAH9/fwDu7OEDzMzMAMDA/wB/f38AAAAAAAAAAAAAAAAAAAAAAAAAAAAhAAAAGAAAABQAAADIBQAAiQsAAHpIAACzDwAAEAAAACYAAAAIAAAAAAAAAAAAAAA="/>
+                <pr:smNativeData xmlns:pr="smNativeData" xmlns:p14="http://schemas.microsoft.com/office/powerpoint/2010/main" xmlns="" val="SMDATA_13_eIVQYBMAAAAlAAAAZAAAAA0AAAAAAAAAAAAAAAAAAAAAAAAAAAAAAAAAAAAAAAAAAAEAAABQAAAAAAAAAAAA4D8AAAAAAADgPwAAAAAAAOA/AAAAAAAA4D8AAAAAAADgPwAAAAAAAOA/AAAAAAAA4D8AAAAAAADgPwAAAAAAAOA/AAAAAAAA4D8CAAAAjAAAAAAAAAAAAAAA////AP///wgAAAAAAAAAAAAAAAAAAAAAAAAAAAAAAAAAAAAAeAAAAAEAAABAAAAAAAAAAAAAAABaAAAAAAAAAAAAAAAAAAAAAAAAAAAAAAAAAAAAAAAAAAAAAAAAAAAAAAAAAAAAAAAAAAAAAAAAAAAAAAAAAAAAAAAAAAAAAAAAAAAAFAAAADwAAAAAAAAAAAAAAAAAAAAPAAAAAQAAACMAAAAjAAAAIwAAAB4AAAAAAAAAZAAAAGQAAAAAAAAAZAAAAGQAAAAVAAAAYAAAAAAAAAAAAAAADwAAACADAAAAAAAAAAAAAAEAAACgMgAAVgcAAKr4//8BAAAAf39/AAEAAABkAAAAAAAAABQAAABAHwAAAAAAACYAAAAAAAAAwOD//wAAAAAmAAAAZAAAABYAAABMAAAAAAAAAAAAAAAEAAAAAAAAAAEAAADu7OEKAAAAACgAAAAoAAAAZAAAAGQAAAAAAAAAzMzMAAAAAABQAAAAUAAAAGQAAABkAAAAAAAAABcAAAAUAAAAAAAAAAAAAAD/fwAA/38AAAAAAAAJAAAABAAAAAAAAAAMAAAAEAAAAAAAAAAAAAAAAAAAAAAAAAAeAAAAaAAAAAAAAAAAAAAAAAAAAAAAAAAAAAAAECcAABAnAAAAAAAAAAAAAAAAAAAAAAAAAAAAAAAAAAAAAAAAAAAAABQAAAAAAAAAwMD/AAAAAABkAAAAMgAAAAAAAABkAAAAAAAAAH9/fwAKAAAAHwAAAFQAAAD///8A////AQAAAAAAAAAAAAAAAAAAAAAAAAAAAAAAAAAAAAAAAAAAAAAAAH9/fwDu7OEDzMzMAMDA/wB/f38AAAAAAAAAAAAAAAAAAAAAAAAAAAAhAAAAGAAAABQAAADIBQAAiQsAAHpIAACzDwAAEAAAACYAAAAIAAAAAAAAAAAAAAA="/>
               </a:ext>
             </a:extLst>
           </p:cNvSpPr>
@@ -6543,9 +6786,8 @@
             </a:pPr>
             <a:r>
               <a:rPr lang="en-gb"/>
-              <a:t>Conclusion</a:t>
-            </a:r>
-            <a:endParaRPr lang="en-gb"/>
+              <a:t>References</a:t>
+            </a:r>
           </a:p>
         </p:txBody>
       </p:sp>
@@ -6556,7 +6798,7 @@
             <a:spLocks noGrp="1" noChangeArrowheads="1"/>
             <a:extLst>
               <a:ext uri="smNativeData">
-                <pr:smNativeData xmlns:pr="smNativeData" val="SMDATA_13_eIVQYBMAAAAlAAAAZAAAAA0AAAAAAAAAAAAAAAAAAAAAAAAAAAAAAAAAAAAAAAAAAAEAAABQAAAAAAAAAAAA4D8AAAAAAADgPwAAAAAAAOA/AAAAAAAA4D8AAAAAAADgPwAAAAAAAOA/AAAAAAAA4D8AAAAAAADgPwAAAAAAAOA/AAAAAAAA4D8CAAAAjAAAAAAAAAAAAAAA////AP///wgAAAAAAAAAAAAAAAAAAAAAAAAAAAAAAAAAAAAAeAAAAAEAAABAAAAAAAAAAAAAAABaAAAAAAAAAAAAAAAAAAAAAAAAAAAAAAAAAAAAAAAAAAAAAAAAAAAAAAAAAAAAAAAAAAAAAAAAAAAAAAAAAAAAAAAAAAAAAAAAAAAAFAAAADwAAAAAAAAAAAAAAAAAAAAPAAAAAQAAACMAAAAjAAAAIwAAAB4AAAAAAAAAZAAAAGQAAAAAAAAAZAAAAGQAAAAVAAAAYAAAAAAAAAAAAAAADwAAACADAAAAAAAAAAAAAAEAAACgMgAAVgcAAKr4//8BAAAAf39/AAEAAABkAAAAAAAAABQAAABAHwAAAAAAACYAAAAAAAAAwOD//wAAAAAmAAAAZAAAABYAAABMAAAAAAAAAAAAAAAEAAAAAAAAAAEAAADu7OEKAAAAACgAAAAoAAAAZAAAAGQAAAAAAAAAzMzMAAAAAABQAAAAUAAAAGQAAABkAAAAAAAAABcAAAAUAAAAAAAAAAAAAAD/fwAA/38AAAAAAAAJAAAABAAAAAAAAAAMAAAAEAAAAAAAAAAAAAAAAAAAAAAAAAAeAAAAaAAAAAAAAAAAAAAAAAAAAAAAAAAAAAAAECcAABAnAAAAAAAAAAAAAAAAAAAAAAAAAAAAAAAAAAAAAAAAAAAAABQAAAAAAAAAwMD/AAAAAABkAAAAMgAAAAAAAABkAAAAAAAAAH9/fwAKAAAAHwAAAFQAAAD///8A////AQAAAAAAAAAAAAAAAAAAAAAAAAAAAAAAAAAAAAAAAAAAAAAAAH9/fwDu7OEDzMzMAMDA/wB/f38AAAAAAAAAAAAAAAAAAAAAAAAAAAAhAAAAGAAAABQAAADIBQAAwBIAAHpIAAAYKgAAEAAAACYAAAAIAAAAAYAAAAAAAAA="/>
+                <pr:smNativeData xmlns:pr="smNativeData" xmlns:p14="http://schemas.microsoft.com/office/powerpoint/2010/main" xmlns="" val="SMDATA_13_eIVQYBMAAAAlAAAAZAAAAA0AAAAAAAAAAAAAAAAAAAAAAAAAAAAAAAAAAAAAAAAAAAEAAABQAAAAAAAAAAAA4D8AAAAAAADgPwAAAAAAAOA/AAAAAAAA4D8AAAAAAADgPwAAAAAAAOA/AAAAAAAA4D8AAAAAAADgPwAAAAAAAOA/AAAAAAAA4D8CAAAAjAAAAAAAAAAAAAAA////AP///wgAAAAAAAAAAAAAAAAAAAAAAAAAAAAAAAAAAAAAeAAAAAEAAABAAAAAAAAAAAAAAABaAAAAAAAAAAAAAAAAAAAAAAAAAAAAAAAAAAAAAAAAAAAAAAAAAAAAAAAAAAAAAAAAAAAAAAAAAAAAAAAAAAAAAAAAAAAAAAAAAAAAFAAAADwAAAAAAAAAAAAAAAAAAAAPAAAAAQAAACMAAAAjAAAAIwAAAB4AAAAAAAAAZAAAAGQAAAAAAAAAZAAAAGQAAAAVAAAAYAAAAAAAAAAAAAAADwAAACADAAAAAAAAAAAAAAEAAACgMgAAVgcAAKr4//8BAAAAf39/AAEAAABkAAAAAAAAABQAAABAHwAAAAAAACYAAAAAAAAAwOD//wAAAAAmAAAAZAAAABYAAABMAAAAAAAAAAAAAAAEAAAAAAAAAAEAAADu7OEKAAAAACgAAAAoAAAAZAAAAGQAAAAAAAAAzMzMAAAAAABQAAAAUAAAAGQAAABkAAAAAAAAABcAAAAUAAAAAAAAAAAAAAD/fwAA/38AAAAAAAAJAAAABAAAAAAAAAAMAAAAEAAAAAAAAAAAAAAAAAAAAAAAAAAeAAAAaAAAAAAAAAAAAAAAAAAAAAAAAAAAAAAAECcAABAnAAAAAAAAAAAAAAAAAAAAAAAAAAAAAAAAAAAAAAAAAAAAABQAAAAAAAAAwMD/AAAAAABkAAAAMgAAAAAAAABkAAAAAAAAAH9/fwAKAAAAHwAAAFQAAAD///8A////AQAAAAAAAAAAAAAAAAAAAAAAAAAAAAAAAAAAAAAAAAAAAAAAAH9/fwDu7OEDzMzMAMDA/wB/f38AAAAAAAAAAAAAAAAAAAAAAAAAAAAhAAAAGAAAABQAAADIBQAAwBIAAKpJAACgOwAAEAAAACYAAAAIAAAAAQAAAAAAAAA="/>
               </a:ext>
             </a:extLst>
           </p:cNvSpPr>
@@ -6567,7 +6809,271 @@
         <p:spPr>
           <a:xfrm>
             <a:off x="939800" y="3048000"/>
-            <a:ext cx="10841990" cy="3794760"/>
+            <a:ext cx="11035030" cy="6644640"/>
+          </a:xfrm>
+        </p:spPr>
+        <p:txBody>
+          <a:bodyPr/>
+          <a:lstStyle/>
+          <a:p>
+            <a:pPr marL="271780" indent="-271780" algn="just">
+              <a:spcAft>
+                <a:spcPts val="600"/>
+              </a:spcAft>
+              <a:defRPr lang="de-de"/>
+            </a:pPr>
+            <a:r>
+              <a:rPr lang="en-gb" sz="1600"/>
+              <a:t>[1] P. Datta, A. S. Namin, and M. Chatterjee, “A survey of privacy concerns in wearable devices,” in 2018 IEEE International Conference on Big Data (Big Data), IEEE, 2018, pp. 4549–4553.</a:t>
+            </a:r>
+          </a:p>
+          <a:p>
+            <a:pPr marL="271780" indent="-271780" algn="just">
+              <a:spcAft>
+                <a:spcPts val="600"/>
+              </a:spcAft>
+              <a:defRPr lang="en-gb" sz="1600"/>
+            </a:pPr>
+            <a:r>
+              <a:t>[2] V. G. Motti and K. Caine, “Users’ privacy concerns about wearables,” in International Conference on Financial Cryptography and Data Security, Springer, 2015, pp. 231–244.</a:t>
+            </a:r>
+          </a:p>
+          <a:p>
+            <a:pPr marL="271780" indent="-271780" algn="just">
+              <a:spcAft>
+                <a:spcPts val="600"/>
+              </a:spcAft>
+              <a:defRPr lang="en-gb" sz="1600"/>
+            </a:pPr>
+            <a:r>
+              <a:t>[3] D. Dobbelstein, P. Henzler, and E. Rukzio, “Unconstrained pedestrian navigation based on vibro-tactile feedback around the wristband of a smartwatch,” in Proceedings of the 2016 CHI Conference Extended Abstracts on Human Factors in Computing Systems, 2016, pp. 2439–2445.</a:t>
+            </a:r>
+          </a:p>
+          <a:p>
+            <a:pPr marL="271780" indent="-271780" algn="just">
+              <a:spcAft>
+                <a:spcPts val="600"/>
+              </a:spcAft>
+              <a:defRPr lang="en-gb" sz="1600"/>
+            </a:pPr>
+            <a:r>
+              <a:t>[4] S. Goodman, S. Kirchner, R. Guttman, D. Jain, J. Froehlich, and L. Findlater, “Evaluating smartwatch-based sound feedback for deaf and hard-of-hearing users across contexts,” in Proceedings of the 2020 CHI Conference on Human Factors in Computing Systems, 2020, pp. 1–13.</a:t>
+            </a:r>
+          </a:p>
+          <a:p>
+            <a:pPr marL="271780" indent="-271780" algn="just">
+              <a:spcAft>
+                <a:spcPts val="600"/>
+              </a:spcAft>
+              <a:defRPr lang="en-gb" sz="1600"/>
+            </a:pPr>
+            <a:r>
+              <a:t>[5] J. Lee, Y. Song, J. Oh, Y. Chee, C. Ahn, H. Shin, H. Kang, and T. H. Lim, “Smartwatch feedback device for high-qualit chest compressions by a single rescuer during infant cardiac arrest: A randomized, controlled simulation study,” European Journal of Emergency Medicine, vol. 26, no. 4, p. 266, 2019.</a:t>
+            </a:r>
+          </a:p>
+          <a:p>
+            <a:pPr marL="271780" indent="-271780" algn="just">
+              <a:spcAft>
+                <a:spcPts val="600"/>
+              </a:spcAft>
+              <a:defRPr lang="en-gb" sz="1600"/>
+            </a:pPr>
+            <a:r>
+              <a:t>[6] M. Williams, J. R. Nurse, and S. Creese, “(smart) watch out! encouraging privacy-protective behavior through interactive games,” International Journal of Human-Computer Studies, vol. 132, pp. 121–137, 2019. </a:t>
+            </a:r>
+          </a:p>
+          <a:p>
+            <a:pPr marL="271780" indent="-271780" algn="just">
+              <a:spcAft>
+                <a:spcPts val="600"/>
+              </a:spcAft>
+              <a:defRPr lang="en-gb" sz="1600"/>
+            </a:pPr>
+            <a:r>
+              <a:t>[7] S. Patil, R. Hoyle, R. Schlegel, A. Kapadia, and A. J. Lee, “Interrupt now or inform later? comparing immediate and delayed privacy feedback,” in Proceedings of the 33rd Annual ACM Conference on Human Factors in Computing Systems, 2015, pp. 1415–1418.</a:t>
+            </a:r>
+          </a:p>
+          <a:p>
+            <a:pPr marL="271780" indent="-271780" algn="just">
+              <a:spcAft>
+                <a:spcPts val="600"/>
+              </a:spcAft>
+              <a:defRPr lang="en-gb" sz="1600"/>
+            </a:pPr>
+            <a:r>
+              <a:t>[8] E. S. Udoh and A. Alkharashi, “Privacy risk awareness and the behavior of smartwatch users: A case study of indiana university students,” in 2016 Future Technologies Conference (FTC), IEEE, 2016, pp. 926–931.</a:t>
+            </a:r>
+          </a:p>
+          <a:p>
+            <a:pPr marL="271780" indent="-271780" algn="just">
+              <a:spcAft>
+                <a:spcPts val="600"/>
+              </a:spcAft>
+              <a:defRPr lang="en-gb" sz="1600"/>
+            </a:pPr>
+            <a:endParaRPr/>
+          </a:p>
+          <a:p>
+            <a:pPr marL="271780" indent="-271780" algn="just">
+              <a:spcAft>
+                <a:spcPts val="600"/>
+              </a:spcAft>
+              <a:defRPr lang="de-de"/>
+            </a:pPr>
+            <a:endParaRPr/>
+          </a:p>
+          <a:p>
+            <a:pPr marL="271780" indent="-271780" algn="l">
+              <a:defRPr lang="de-de"/>
+            </a:pPr>
+            <a:endParaRPr lang="en-gb" sz="1400"/>
+          </a:p>
+          <a:p>
+            <a:pPr marL="271780" indent="-271780" algn="l">
+              <a:defRPr lang="de-de"/>
+            </a:pPr>
+            <a:endParaRPr lang="en-gb" sz="1400"/>
+          </a:p>
+          <a:p>
+            <a:pPr algn="l">
+              <a:defRPr lang="de-de"/>
+            </a:pPr>
+            <a:endParaRPr lang="en-gb" sz="1400"/>
+          </a:p>
+        </p:txBody>
+      </p:sp>
+      <p:sp>
+        <p:nvSpPr>
+          <p:cNvPr id="4" name="Espace réservé de la date 4"/>
+          <p:cNvSpPr>
+            <a:spLocks noGrp="1" noChangeArrowheads="1"/>
+            <a:extLst>
+              <a:ext uri="smNativeData">
+                <pr:smNativeData xmlns:pr="smNativeData" xmlns:p14="http://schemas.microsoft.com/office/powerpoint/2010/main" xmlns="" val="SMDATA_13_eIVQYBMAAAAlAAAAZAAAAA0AAAAAAAAAAAAAAAAAAAAAAAAAAAAAAAAAAAAAAAAAAAEAAABQAAAAAAAAAAAA4D8AAAAAAADgPwAAAAAAAOA/AAAAAAAA4D8AAAAAAADgPwAAAAAAAOA/AAAAAAAA4D8AAAAAAADgPwAAAAAAAOA/AAAAAAAA4D8CAAAAjAAAAAAAAAAAAAAA////AP///wgAAAAAAAAAAAAAAAAAAAAAAAAAAAAAAAAAAAAAeAAAAAEAAABAAAAAAAAAAAAAAABaAAAAAAAAAAAAAAAAAAAAAAAAAAAAAAAAAAAAAAAAAAAAAAAAAAAAAAAAAAAAAAAAAAAAAAAAAAAAAAAAAAAAAAAAAAAAAAAAAAAAFAAAADwAAAAAAAAAAAAAAAAAAAAPAAAAAQAAACMAAAAjAAAAIwAAAB4AAAAAAAAAZAAAAGQAAAAAAAAAZAAAAGQAAAAVAAAAYAAAAAAAAAAAAAAADwAAACADAAAAAAAAAAAAAAEAAACgMgAAVgcAAKr4//8BAAAAf39/AAEAAABkAAAAAAAAABQAAABAHwAAAAAAACYAAAAAAAAAwOD//wAAAAAmAAAAZAAAABYAAABMAAAAAAAAAAAAAAAEAAAAAAAAAAEAAADu7OEKAAAAACgAAAAoAAAAZAAAAGQAAAAAAAAAzMzMAAAAAABQAAAAUAAAAGQAAABkAAAAAAAAABcAAAAUAAAAAAAAAAAAAAD/fwAA/38AAAAAAAAJAAAABAAAAAAAAAAMAAAAEAAAAAAAAAAAAAAAAAAAAAAAAAAeAAAAaAAAAAAAAAAAAAAAAAAAAAAAAAAAAAAAECcAABAnAAAAAAAAAAAAAAAAAAAAAAAAAAAAAAAAAAAAAAAAAAAAABQAAAAAAAAAwMD/AAAAAABkAAAAMgAAAAAAAABkAAAAAAAAAH9/fwAKAAAAHwAAAFQAAAD///8A////AQAAAAAAAAAAAAAAAAAAAAAAAAAAAAAAAAAAAAAAAAAAAAAAAH9/fwDu7OEDzMzMAMDA/wB/f38AAAAAAAAAAAAAAAAAAAAAAAAAAAAhAAAAGAAAABQAAADqAQAA4DgAAPAKAACYOgAAEAAAACYAAAAIAAAAAAAAAAAAAAA="/>
+              </a:ext>
+            </a:extLst>
+          </p:cNvSpPr>
+          <p:nvPr>
+            <p:ph type="dt" sz="half" idx="2"/>
+          </p:nvPr>
+        </p:nvSpPr>
+        <p:spPr/>
+        <p:txBody>
+          <a:bodyPr/>
+          <a:lstStyle/>
+          <a:p>
+            <a:pPr>
+              <a:defRPr lang="de-de"/>
+            </a:pPr>
+            <a:r>
+              <a:t>26.03.2021</a:t>
+            </a:r>
+          </a:p>
+        </p:txBody>
+      </p:sp>
+      <p:sp>
+        <p:nvSpPr>
+          <p:cNvPr id="5" name="Espace réservé du numéro de diapositive 5"/>
+          <p:cNvSpPr>
+            <a:spLocks noGrp="1" noChangeArrowheads="1"/>
+            <a:extLst>
+              <a:ext uri="smNativeData">
+                <pr:smNativeData xmlns:pr="smNativeData" xmlns:p14="http://schemas.microsoft.com/office/powerpoint/2010/main" xmlns="" val="SMDATA_13_eIVQYBMAAAAlAAAAZAAAAA0AAAAAAAAAAAAAAAAAAAAAAAAAAAAAAAAAAAAAAAAAAAEAAABQAAAAAAAAAAAA4D8AAAAAAADgPwAAAAAAAOA/AAAAAAAA4D8AAAAAAADgPwAAAAAAAOA/AAAAAAAA4D8AAAAAAADgPwAAAAAAAOA/AAAAAAAA4D8CAAAAjAAAAAAAAAAAAAAA////AP///wgAAAAAAAAAAAAAAAAAAAAAAAAAAAAAAAAAAAAAeAAAAAEAAABAAAAAAAAAAAAAAABaAAAAAAAAAAAAAAAAAAAAAAAAAAAAAAAAAAAAAAAAAAAAAAAAAAAAAAAAAAAAAAAAAAAAAAAAAAAAAAAAAAAAAAAAAAAAAAAAAAAAFAAAADwAAAAAAAAAAAAAAAAAAAAPAAAAAQAAACMAAAAjAAAAIwAAAB4AAAAAAAAAZAAAAGQAAAAAAAAAZAAAAGQAAAAVAAAAYAAAAAAAAAAAAAAADwAAACADAAAAAAAAAAAAAAEAAACgMgAAVgcAAKr4//8BAAAAf39/AAEAAABkAAAAAAAAABQAAABAHwAAAAAAACYAAAAAAAAAwOD//wAAAAAmAAAAZAAAABYAAABMAAAAAAAAAAAAAAAEAAAAAAAAAAEAAADu7OEKAAAAACgAAAAoAAAAZAAAAGQAAAAAAAAAzMzMAAAAAABQAAAAUAAAAGQAAABkAAAAAAAAABcAAAAUAAAAAAAAAAAAAAD/fwAA/38AAAAAAAAJAAAABAAAAAAAAAAMAAAAEAAAAAAAAAAAAAAAAAAAAAAAAAAeAAAAaAAAAAAAAAAAAAAAAAAAAAAAAAAAAAAAECcAABAnAAAAAAAAAAAAAAAAAAAAAAAAAAAAAAAAAAAAAAAAAAAAABQAAAAAAAAAwMD/AAAAAABkAAAAMgAAAAAAAABkAAAAAAAAAH9/fwAKAAAAHwAAAFQAAAD///8A////AQAAAAAAAAAAAAAAAAAAAAAAAAAAAAAAAAAAAAAAAAAAAAAAAH9/fwDu7OEDzMzMAMDA/wB/f38AAAAAAAAAAAAAAAAAAAAAAAAAAAAhAAAAGAAAABQAAADQSAAAGDkAABZOAACYOgAAEAAAACYAAAAIAAAAAAAAAAAAAAA="/>
+              </a:ext>
+            </a:extLst>
+          </p:cNvSpPr>
+          <p:nvPr>
+            <p:ph type="sldNum" sz="quarter" idx="4"/>
+          </p:nvPr>
+        </p:nvSpPr>
+        <p:spPr/>
+        <p:txBody>
+          <a:bodyPr/>
+          <a:lstStyle/>
+          <a:p>
+            <a:pPr>
+              <a:defRPr lang="de-de"/>
+            </a:pPr>
+            <a:fld id="{0465078A-C4E9-30F1-A7DD-32A449935167}" type="slidenum">
+              <a:t>17</a:t>
+            </a:fld>
+            <a:endParaRPr/>
+          </a:p>
+        </p:txBody>
+      </p:sp>
+    </p:spTree>
+  </p:cSld>
+  <p:clrMapOvr>
+    <a:masterClrMapping/>
+  </p:clrMapOvr>
+</p:sld>
+</file>
+
+<file path=ppt/slides/slide2.xml><?xml version="1.0" encoding="utf-8"?>
+<p:sld xmlns:a="http://schemas.openxmlformats.org/drawingml/2006/main" xmlns:r="http://schemas.openxmlformats.org/officeDocument/2006/relationships" xmlns:p="http://schemas.openxmlformats.org/presentationml/2006/main">
+  <p:cSld>
+    <p:spTree>
+      <p:nvGrpSpPr>
+        <p:cNvPr id="1" name=""/>
+        <p:cNvGrpSpPr/>
+        <p:nvPr/>
+      </p:nvGrpSpPr>
+      <p:grpSpPr>
+        <a:xfrm>
+          <a:off x="0" y="0"/>
+          <a:ext cx="0" cy="0"/>
+          <a:chOff x="0" y="0"/>
+          <a:chExt cx="0" cy="0"/>
+        </a:xfrm>
+      </p:grpSpPr>
+      <p:sp>
+        <p:nvSpPr>
+          <p:cNvPr id="2" name="object 62"/>
+          <p:cNvSpPr>
+            <a:spLocks noGrp="1" noChangeArrowheads="1"/>
+            <a:extLst>
+              <a:ext uri="smNativeData">
+                <pr:smNativeData xmlns:pr="smNativeData" xmlns:p14="http://schemas.microsoft.com/office/powerpoint/2010/main" xmlns="" val="SMDATA_13_eIVQYBMAAAAlAAAAZAAAAA0AAAAAAAAAAAAAAAAAAAAAAAAAAAAAAAAAAAAAAAAAAAEAAABQAAAAAAAAAAAA4D8AAAAAAADgPwAAAAAAAOA/AAAAAAAA4D8AAAAAAADgPwAAAAAAAOA/AAAAAAAA4D8AAAAAAADgPwAAAAAAAOA/AAAAAAAA4D8CAAAAjAAAAAAAAAAAAAAA////AP///wgAAAAAAAAAAAAAAAAAAAAAAAAAAAAAAAAAAAAAeAAAAAEAAABAAAAAAAAAAAAAAABaAAAAAAAAAAAAAAAAAAAAAAAAAAAAAAAAAAAAAAAAAAAAAAAAAAAAAAAAAAAAAAAAAAAAAAAAAAAAAAAAAAAAAAAAAAAAAAAAAAAAFAAAADwAAAAAAAAAAAAAAAAAAAAPAAAAAQAAACMAAAAjAAAAIwAAAB4AAAAAAAAAZAAAAGQAAAAAAAAAZAAAAGQAAAAVAAAAYAAAAAAAAAAAAAAADwAAACADAAAAAAAAAAAAAAEAAACgMgAAVgcAAKr4//8BAAAAf39/AAEAAABkAAAAAAAAABQAAABAHwAAAAAAACYAAAAAAAAAwOD//wAAAAAmAAAAZAAAABYAAABMAAAAAAAAAAAAAAAEAAAAAAAAAAEAAADu7OEKAAAAACgAAAAoAAAAZAAAAGQAAAAAAAAAzMzMAAAAAABQAAAAUAAAAGQAAABkAAAAAAAAABcAAAAUAAAAAAAAAAAAAAD/fwAA/38AAAAAAAAJAAAABAAAAPkGAAAMAAAAEAAAAAAAAAAAAAAAAAAAAAAAAAAeAAAAaAAAAAAAAAAAAAAAAAAAAAAAAAAAAAAAECcAABAnAAAAAAAAAAAAAAAAAAAAAAAAAAAAAAAAAAAAAAAAAAAAABQAAAAAAAAAwMD/AAAAAABkAAAAMgAAAAAAAABkAAAAAAAAAH9/fwAKAAAAHwAAAFQAAAD///8A////AQAAAAAAAAAAAAAAAAAAAAAAAAAAAAAAAAAAAAAAAAAAAAAAAH9/fwDu7OEDzMzMAMDA/wB/f38AAAAAAAAAAAAAAAAAAAAAAAAAAAAhAAAAGAAAABQAAADIBQAAiQsAAHpIAACzDwAAEAAAACYAAAAIAAAAAAAAAAAAAAA="/>
+              </a:ext>
+            </a:extLst>
+          </p:cNvSpPr>
+          <p:nvPr>
+            <p:ph type="title"/>
+          </p:nvPr>
+        </p:nvSpPr>
+        <p:spPr/>
+        <p:txBody>
+          <a:bodyPr/>
+          <a:lstStyle/>
+          <a:p>
+            <a:pPr>
+              <a:defRPr lang="de-de"/>
+            </a:pPr>
+            <a:r>
+              <a:t>Summary</a:t>
+            </a:r>
+          </a:p>
+        </p:txBody>
+      </p:sp>
+      <p:sp>
+        <p:nvSpPr>
+          <p:cNvPr id="3" name="object 61"/>
+          <p:cNvSpPr>
+            <a:spLocks noGrp="1" noChangeArrowheads="1"/>
+            <a:extLst>
+              <a:ext uri="smNativeData">
+                <pr:smNativeData xmlns:pr="smNativeData" xmlns:p14="http://schemas.microsoft.com/office/powerpoint/2010/main" xmlns="" val="SMDATA_13_eIVQYBMAAAAlAAAAZAAAAA0AAAAAAAAAAAAAAAAAAAAAAAAAAAAAAAAAAAAAAAAAAAEAAABQAAAAAAAAAAAA4D8AAAAAAADgPwAAAAAAAOA/AAAAAAAA4D8AAAAAAADgPwAAAAAAAOA/AAAAAAAA4D8AAAAAAADgPwAAAAAAAOA/AAAAAAAA4D8CAAAAjAAAAAAAAAAAAAAA////AP///wgAAAAAAAAAAAAAAAAAAAAAAAAAAAAAAAAAAAAAeAAAAAEAAABAAAAAAAAAAAAAAABaAAAAAAAAAAAAAAAAAAAAAAAAAAAAAAAAAAAAAAAAAAAAAAAAAAAAAAAAAAAAAAAAAAAAAAAAAAAAAAAAAAAAAAAAAAAAAAAAAAAAFAAAADwAAAAAAAAAAAAAAAAAAAAPAAAAAQAAACMAAAAjAAAAIwAAAB4AAAAAAAAAZAAAAGQAAAAAAAAAZAAAAGQAAAAVAAAAYAAAAAAAAAAAAAAADwAAACADAAAAAAAAAAAAAAEAAACgMgAAVgcAAKr4//8BAAAAf39/AAEAAABkAAAAAAAAABQAAABAHwAAAAAAACYAAAAAAAAAwOD//wAAAAAmAAAAZAAAABYAAABMAAAAAAAAAAAAAAAEAAAAAAAAAAEAAADu7OEKAAAAACgAAAAoAAAAZAAAAGQAAAAAAAAAzMzMAAAAAABQAAAAUAAAAGQAAABkAAAAAAAAABcAAAAUAAAAAAAAAAAAAAD/fwAA/38AAAAAAAAJAAAABAAAAAAPTLoMAAAAEAAAAAAAAAAAAAAAAAAAAAAAAAAeAAAAaAAAAAAAAAAAAAAAAAAAAAAAAAAAAAAAECcAABAnAAAAAAAAAAAAAAAAAAAAAAAAAAAAAAAAAAAAAAAAAAAAABQAAAAAAAAAwMD/AAAAAABkAAAAMgAAAAAAAABkAAAAAAAAAH9/fwAKAAAAHwAAAFQAAAD///8A////AQAAAAAAAAAAAAAAAAAAAAAAAAAAAAAAAAAAAAAAAAAAAAAAAH9/fwDu7OEDzMzMAMDA/wB/f38AAAAAAAAAAAAAAAAAAAAAAAAAAAAhAAAAGAAAABQAAADIBQAAwBIAAHpIAAAwLQAAEAAAACYAAAAIAAAAAYAAAAAAAAA="/>
+              </a:ext>
+            </a:extLst>
+          </p:cNvSpPr>
+          <p:nvPr>
+            <p:ph type="body" idx="1"/>
+          </p:nvPr>
+        </p:nvSpPr>
+        <p:spPr>
+          <a:xfrm>
+            <a:off x="939800" y="3048000"/>
+            <a:ext cx="10841990" cy="4297680"/>
           </a:xfrm>
         </p:spPr>
         <p:txBody>
@@ -6584,7 +7090,7 @@
                 <a:schemeClr val="accent1"/>
               </a:buClr>
               <a:buSzPts val="2910"/>
-              <a:buFont typeface="Wingdings" pitchFamily="0" charset="0"/>
+              <a:buFont typeface="Wingdings" charset="0"/>
               <a:buChar char="§"/>
               <a:tabLst/>
               <a:defRPr lang="de-de" sz="2800" b="0" i="0" baseline="0">
@@ -6615,7 +7121,7 @@
               <a:lnSpc>
                 <a:spcPct val="150000"/>
               </a:lnSpc>
-              <a:buFont typeface="Wingdings" pitchFamily="0" charset="0"/>
+              <a:buFont typeface="Wingdings" charset="0"/>
               <a:buChar char="§"/>
               <a:defRPr lang="de-de" sz="2000" b="0" i="0" baseline="0">
                 <a:solidFill>
@@ -6646,64 +7152,71 @@
             </a:lvl9pPr>
           </a:lstStyle>
           <a:p>
-            <a:pPr>
-              <a:defRPr lang="de-de"/>
-            </a:pPr>
-            <a:r>
-              <a:t>Lack of APIs to have global information about sensors</a:t>
-            </a:r>
-          </a:p>
-          <a:p>
-            <a:pPr>
-              <a:defRPr lang="de-de"/>
-            </a:pPr>
-            <a:r>
-              <a:t>Developers must implement transparency mechanisms themselves</a:t>
-            </a:r>
-          </a:p>
-          <a:p>
-            <a:pPr>
-              <a:defRPr lang="de-de"/>
-            </a:pPr>
-            <a:r>
-              <a:t>Our solution: </a:t>
-            </a:r>
-          </a:p>
-          <a:p>
-            <a:pPr lvl="1">
-              <a:defRPr lang="de-de"/>
-            </a:pPr>
-            <a:r>
-              <a:t>To be shared to community?</a:t>
-            </a:r>
-          </a:p>
-          <a:p>
-            <a:pPr lvl="1">
-              <a:defRPr lang="de-de"/>
-            </a:pPr>
-            <a:r>
-              <a:t>Aims to put users in control + raise data collection awareness</a:t>
-            </a:r>
-          </a:p>
-          <a:p>
-            <a:pPr lvl="1">
-              <a:buChar char="→"/>
-              <a:defRPr lang="de-de"/>
-            </a:pPr>
-            <a:r>
-              <a:t> Case Study necessary to assess efficiency</a:t>
-            </a:r>
-          </a:p>
-        </p:txBody>
-      </p:sp>
-      <p:sp>
-        <p:nvSpPr>
-          <p:cNvPr id="4" name="Espace réservé de la date 4"/>
+            <a:pPr defTabSz="360045">
+              <a:tabLst/>
+              <a:defRPr lang="de-de"/>
+            </a:pPr>
+            <a:r>
+              <a:rPr lang="en-us"/>
+              <a:t>Introduction</a:t>
+            </a:r>
+          </a:p>
+          <a:p>
+            <a:pPr defTabSz="360045">
+              <a:tabLst/>
+              <a:defRPr lang="en-us"/>
+            </a:pPr>
+            <a:r>
+              <a:t>Foundations</a:t>
+            </a:r>
+          </a:p>
+          <a:p>
+            <a:pPr defTabSz="360045">
+              <a:tabLst/>
+              <a:defRPr lang="en-us"/>
+            </a:pPr>
+            <a:r>
+              <a:t>Related Work</a:t>
+            </a:r>
+          </a:p>
+          <a:p>
+            <a:pPr defTabSz="360045">
+              <a:tabLst/>
+              <a:defRPr lang="en-us"/>
+            </a:pPr>
+            <a:r>
+              <a:t>Approach</a:t>
+            </a:r>
+          </a:p>
+          <a:p>
+            <a:pPr defTabSz="360045">
+              <a:tabLst/>
+              <a:defRPr lang="en-us"/>
+            </a:pPr>
+            <a:r>
+              <a:t>Discussion</a:t>
+            </a:r>
+          </a:p>
+          <a:p>
+            <a:pPr defTabSz="360045">
+              <a:tabLst/>
+              <a:defRPr lang="de-de"/>
+            </a:pPr>
+            <a:r>
+              <a:rPr lang="en-us"/>
+              <a:t>Conclusion</a:t>
+            </a:r>
+          </a:p>
+        </p:txBody>
+      </p:sp>
+      <p:sp>
+        <p:nvSpPr>
+          <p:cNvPr id="4" name="Datumsplatzhalter 111"/>
           <p:cNvSpPr>
             <a:spLocks noGrp="1" noChangeArrowheads="1"/>
             <a:extLst>
               <a:ext uri="smNativeData">
-                <pr:smNativeData xmlns:pr="smNativeData" val="SMDATA_13_eIVQYBMAAAAlAAAAZAAAAA0AAAAAAAAAAAAAAAAAAAAAAAAAAAAAAAAAAAAAAAAAAAEAAABQAAAAAAAAAAAA4D8AAAAAAADgPwAAAAAAAOA/AAAAAAAA4D8AAAAAAADgPwAAAAAAAOA/AAAAAAAA4D8AAAAAAADgPwAAAAAAAOA/AAAAAAAA4D8CAAAAjAAAAAAAAAAAAAAA////AP///wgAAAAAAAAAAAAAAAAAAAAAAAAAAAAAAAAAAAAAeAAAAAEAAABAAAAAAAAAAAAAAABaAAAAAAAAAAAAAAAAAAAAAAAAAAAAAAAAAAAAAAAAAAAAAAAAAAAAAAAAAAAAAAAAAAAAAAAAAAAAAAAAAAAAAAAAAAAAAAAAAAAAFAAAADwAAAAAAAAAAAAAAAAAAAAPAAAAAQAAACMAAAAjAAAAIwAAAB4AAAAAAAAAZAAAAGQAAAAAAAAAZAAAAGQAAAAVAAAAYAAAAAAAAAAAAAAADwAAACADAAAAAAAAAAAAAAEAAACgMgAAVgcAAKr4//8BAAAAf39/AAEAAABkAAAAAAAAABQAAABAHwAAAAAAACYAAAAAAAAAwOD//wAAAAAmAAAAZAAAABYAAABMAAAAAAAAAAAAAAAEAAAAAAAAAAEAAADu7OEKAAAAACgAAAAoAAAAZAAAAGQAAAAAAAAAzMzMAAAAAABQAAAAUAAAAGQAAABkAAAAAAAAABcAAAAUAAAAAAAAAAAAAAD/fwAA/38AAAAAAAAJAAAABAAAAGMAAAAMAAAAEAAAAAAAAAAAAAAAAAAAAAAAAAAeAAAAaAAAAAAAAAAAAAAAAAAAAAAAAAAAAAAAECcAABAnAAAAAAAAAAAAAAAAAAAAAAAAAAAAAAAAAAAAAAAAAAAAABQAAAAAAAAAwMD/AAAAAABkAAAAMgAAAAAAAABkAAAAAAAAAH9/fwAKAAAAHwAAAFQAAAD///8A////AQAAAAAAAAAAAAAAAAAAAAAAAAAAAAAAAAAAAAAAAAAAAAAAAH9/fwDu7OEDzMzMAMDA/wB/f38AAAAAAAAAAAAAAAAAAAAAAAAAAAAhAAAAGAAAABQAAADqAQAA4DgAAPAKAACYOgAAEAAAACYAAAAIAAAAAAAAAAAAAAA="/>
+                <pr:smNativeData xmlns:pr="smNativeData" xmlns:p14="http://schemas.microsoft.com/office/powerpoint/2010/main" xmlns="" val="SMDATA_13_eIVQYBMAAAAlAAAAZAAAAA0AAAAAAAAAAAAAAAAAAAAAAAAAAAAAAAAAAAAAAAAAAAEAAABQAAAAAAAAAAAA4D8AAAAAAADgPwAAAAAAAOA/AAAAAAAA4D8AAAAAAADgPwAAAAAAAOA/AAAAAAAA4D8AAAAAAADgPwAAAAAAAOA/AAAAAAAA4D8CAAAAjAAAAAAAAAAAAAAA////AP///wgAAAAAAAAAAAAAAAAAAAAAAAAAAAAAAAAAAAAAeAAAAAEAAABAAAAAAAAAAAAAAABaAAAAAAAAAAAAAAAAAAAAAAAAAAAAAAAAAAAAAAAAAAAAAAAAAAAAAAAAAAAAAAAAAAAAAAAAAAAAAAAAAAAAAAAAAAAAAAAAAAAAFAAAADwAAAAAAAAAAAAAAAAAAAAPAAAAAQAAACMAAAAjAAAAIwAAAB4AAAAAAAAAZAAAAGQAAAAAAAAAZAAAAGQAAAAVAAAAYAAAAAAAAAAAAAAADwAAACADAAAAAAAAAAAAAAEAAACgMgAAVgcAAKr4//8BAAAAf39/AAEAAABkAAAAAAAAABQAAABAHwAAAAAAACYAAAAAAAAAwOD//wAAAAAmAAAAZAAAABYAAABMAAAAAAAAAAAAAAAEAAAAAAAAAAEAAADu7OEKAAAAACgAAAAoAAAAZAAAAGQAAAAAAAAAzMzMAAAAAABQAAAAUAAAAGQAAABkAAAAAAAAABcAAAAUAAAAAAAAAAAAAAD/fwAA/38AAAAAAAAJAAAABAAAAOwEAAAMAAAAEAAAAAAAAAAAAAAAAAAAAAAAAAAeAAAAaAAAAAAAAAAAAAAAAAAAAAAAAAAAAAAAECcAABAnAAAAAAAAAAAAAAAAAAAAAAAAAAAAAAAAAAAAAAAAAAAAABQAAAAAAAAAwMD/AAAAAABkAAAAMgAAAAAAAABkAAAAAAAAAH9/fwAKAAAAHwAAAFQAAAD///8A////AQAAAAAAAAAAAAAAAAAAAAAAAAAAAAAAAAAAAAAAAAAAAAAAAH9/fwDu7OEDzMzMAMDA/wB/f38AAAAAAAAAAAAAAAAAAAAAAAAAAAAhAAAAGAAAABQAAADqAQAA4DgAAPAKAACYOgAAEAAAACYAAAAIAAAAAAAAAAAAAAA="/>
               </a:ext>
             </a:extLst>
           </p:cNvSpPr>
@@ -6727,12 +7240,12 @@
       </p:sp>
       <p:sp>
         <p:nvSpPr>
-          <p:cNvPr id="5" name="Espace réservé du numéro de diapositive 5"/>
+          <p:cNvPr id="5" name="Foliennummernplatzhalter 112"/>
           <p:cNvSpPr>
             <a:spLocks noGrp="1" noChangeArrowheads="1"/>
             <a:extLst>
               <a:ext uri="smNativeData">
-                <pr:smNativeData xmlns:pr="smNativeData" val="SMDATA_13_eIVQYBMAAAAlAAAAZAAAAA0AAAAAAAAAAAAAAAAAAAAAAAAAAAAAAAAAAAAAAAAAAAEAAABQAAAAAAAAAAAA4D8AAAAAAADgPwAAAAAAAOA/AAAAAAAA4D8AAAAAAADgPwAAAAAAAOA/AAAAAAAA4D8AAAAAAADgPwAAAAAAAOA/AAAAAAAA4D8CAAAAjAAAAAAAAAAAAAAA////AP///wgAAAAAAAAAAAAAAAAAAAAAAAAAAAAAAAAAAAAAeAAAAAEAAABAAAAAAAAAAAAAAABaAAAAAAAAAAAAAAAAAAAAAAAAAAAAAAAAAAAAAAAAAAAAAAAAAAAAAAAAAAAAAAAAAAAAAAAAAAAAAAAAAAAAAAAAAAAAAAAAAAAAFAAAADwAAAAAAAAAAAAAAAAAAAAPAAAAAQAAACMAAAAjAAAAIwAAAB4AAAAAAAAAZAAAAGQAAAAAAAAAZAAAAGQAAAAVAAAAYAAAAAAAAAAAAAAADwAAACADAAAAAAAAAAAAAAEAAACgMgAAVgcAAKr4//8BAAAAf39/AAEAAABkAAAAAAAAABQAAABAHwAAAAAAACYAAAAAAAAAwOD//wAAAAAmAAAAZAAAABYAAABMAAAAAAAAAAAAAAAEAAAAAAAAAAEAAADu7OEKAAAAACgAAAAoAAAAZAAAAGQAAAAAAAAAzMzMAAAAAABQAAAAUAAAAGQAAABkAAAAAAAAABcAAAAUAAAAAAAAAAAAAAD/fwAA/38AAAAAAAAJAAAABAAAAAAAAAAMAAAAEAAAAAAAAAAAAAAAAAAAAAAAAAAeAAAAaAAAAAAAAAAAAAAAAAAAAAAAAAAAAAAAECcAABAnAAAAAAAAAAAAAAAAAAAAAAAAAAAAAAAAAAAAAAAAAAAAABQAAAAAAAAAwMD/AAAAAABkAAAAMgAAAAAAAABkAAAAAAAAAH9/fwAKAAAAHwAAAFQAAAD///8A////AQAAAAAAAAAAAAAAAAAAAAAAAAAAAAAAAAAAAAAAAAAAAAAAAH9/fwDu7OEDzMzMAMDA/wB/f38AAAAAAAAAAAAAAAAAAAAAAAAAAAAhAAAAGAAAABQAAADQSAAAGDkAABZOAACYOgAAEAAAACYAAAAIAAAAAAAAAAAAAAA="/>
+                <pr:smNativeData xmlns:pr="smNativeData" xmlns:p14="http://schemas.microsoft.com/office/powerpoint/2010/main" xmlns="" val="SMDATA_13_eIVQYBMAAAAlAAAAZAAAAA0AAAAAAAAAAAAAAAAAAAAAAAAAAAAAAAAAAAAAAAAAAAEAAABQAAAAAAAAAAAA4D8AAAAAAADgPwAAAAAAAOA/AAAAAAAA4D8AAAAAAADgPwAAAAAAAOA/AAAAAAAA4D8AAAAAAADgPwAAAAAAAOA/AAAAAAAA4D8CAAAAjAAAAAAAAAAAAAAA////AP///wgAAAAAAAAAAAAAAAAAAAAAAAAAAAAAAAAAAAAAeAAAAAEAAABAAAAAAAAAAAAAAABaAAAAAAAAAAAAAAAAAAAAAAAAAAAAAAAAAAAAAAAAAAAAAAAAAAAAAAAAAAAAAAAAAAAAAAAAAAAAAAAAAAAAAAAAAAAAAAAAAAAAFAAAADwAAAAAAAAAAAAAAAAAAAAPAAAAAQAAACMAAAAjAAAAIwAAAB4AAAAAAAAAZAAAAGQAAAAAAAAAZAAAAGQAAAAVAAAAYAAAAAAAAAAAAAAADwAAACADAAAAAAAAAAAAAAEAAACgMgAAVgcAAKr4//8BAAAAf39/AAEAAABkAAAAAAAAABQAAABAHwAAAAAAACYAAAAAAAAAwOD//wAAAAAmAAAAZAAAABYAAABMAAAAAAAAAAAAAAAEAAAAAAAAAAEAAADu7OEKAAAAACgAAAAoAAAAZAAAAGQAAAAAAAAAzMzMAAAAAABQAAAAUAAAAGQAAABkAAAAAAAAABcAAAAUAAAAAAAAAAAAAAD/fwAA/38AAAAAAAAJAAAABAAAAEAnAAAMAAAAEAAAAAAAAAAAAAAAAAAAAAAAAAAeAAAAaAAAAAAAAAAAAAAAAAAAAAAAAAAAAAAAECcAABAnAAAAAAAAAAAAAAAAAAAAAAAAAAAAAAAAAAAAAAAAAAAAABQAAAAAAAAAwMD/AAAAAABkAAAAMgAAAAAAAABkAAAAAAAAAH9/fwAKAAAAHwAAAFQAAAD///8A////AQAAAAAAAAAAAAAAAAAAAAAAAAAAAAAAAAAAAAAAAAAAAAAAAH9/fwDu7OEDzMzMAMDA/wB/f38AAAAAAAAAAAAAAAAAAAAAAAAAAAAhAAAAGAAAABQAAADQSAAAGDkAABZOAACYOgAAEAAAACYAAAAIAAAAAAAAAAAAAAA="/>
               </a:ext>
             </a:extLst>
           </p:cNvSpPr>
@@ -6748,9 +7261,10 @@
             <a:pPr>
               <a:defRPr lang="de-de"/>
             </a:pPr>
-            <a:fld id="{642D5FD3-9D89-78A9-C795-6BFC11DB313E}" type="slidenum">
-              <a:t>16</a:t>
+            <a:fld id="{24701EE2-ACC9-25E8-87C8-5ABD5086710F}" type="slidenum">
+              <a:t>2</a:t>
             </a:fld>
+            <a:endParaRPr/>
           </a:p>
         </p:txBody>
       </p:sp>
@@ -6759,18 +7273,33 @@
   <p:clrMapOvr>
     <a:masterClrMapping/>
   </p:clrMapOvr>
-  <p:timing>
-    <p:tnLst>
-      <p:par>
-        <p:cTn id="1" dur="indefinite" restart="never" nodeType="tmRoot"/>
-      </p:par>
-    </p:tnLst>
-  </p:timing>
+  <mc:AlternateContent xmlns:mc="http://schemas.openxmlformats.org/markup-compatibility/2006">
+    <mc:Choice xmlns:p14="http://schemas.microsoft.com/office/powerpoint/2010/main" Requires="p14">
+      <p:transition spd="slow" p14:dur="1800">
+        <p:fade/>
+        <p:extLst>
+          <p:ext uri="smNativeData">
+            <pr:smNativeData xmlns:pr="smNativeData" xmlns="" val="eIVQYAAAAAAIBwAAAAAAAAYAAAAAAAAAAAAAAAAAAAAAAAAAAQAAAAAAAAAAAAAAAAAAAAAAAAAAAAAA"/>
+          </p:ext>
+        </p:extLst>
+      </p:transition>
+    </mc:Choice>
+    <mc:Fallback>
+      <p:transition spd="slow">
+        <p:fade/>
+        <p:extLst>
+          <p:ext uri="smNativeData">
+            <pr:smNativeData xmlns:pr="smNativeData" xmlns:p14="http://schemas.microsoft.com/office/powerpoint/2010/main" xmlns="" val="eIVQYAAAAAAIBwAAAAAAAAYAAAAAAAAAAAAAAAAAAAAAAAAAAQAAAAAAAAAAAAAAAAAAAAAAAAAAAAAA"/>
+          </p:ext>
+        </p:extLst>
+      </p:transition>
+    </mc:Fallback>
+  </mc:AlternateContent>
 </p:sld>
 </file>
 
-<file path=ppt/slides/slide17.xml><?xml version="1.0" encoding="utf-8"?>
-<p:sld xmlns:p="http://schemas.openxmlformats.org/presentationml/2006/main" xmlns:p14="http://schemas.microsoft.com/office/powerpoint/2010/main" xmlns:r="http://schemas.openxmlformats.org/officeDocument/2006/relationships" xmlns:a="http://schemas.openxmlformats.org/drawingml/2006/main">
+<file path=ppt/slides/slide3.xml><?xml version="1.0" encoding="utf-8"?>
+<p:sld xmlns:a="http://schemas.openxmlformats.org/drawingml/2006/main" xmlns:r="http://schemas.openxmlformats.org/officeDocument/2006/relationships" xmlns:p="http://schemas.openxmlformats.org/presentationml/2006/main">
   <p:cSld>
     <p:spTree>
       <p:nvGrpSpPr>
@@ -6788,43 +7317,12 @@
       </p:grpSpPr>
       <p:sp>
         <p:nvSpPr>
-          <p:cNvPr id="2" name="Sous-titre 8"/>
+          <p:cNvPr id="2" name="Title 1"/>
           <p:cNvSpPr>
             <a:spLocks noGrp="1" noChangeArrowheads="1"/>
             <a:extLst>
               <a:ext uri="smNativeData">
-                <pr:smNativeData xmlns:pr="smNativeData" val="SMDATA_13_eIVQYBMAAAAlAAAAZAAAAA0AAAAAAAAAAAAAAAAAAAAAAAAAAAAAAAAAAAAAAAAAAAEAAABQAAAAAAAAAAAA4D8AAAAAAADgPwAAAAAAAOA/AAAAAAAA4D8AAAAAAADgPwAAAAAAAOA/AAAAAAAA4D8AAAAAAADgPwAAAAAAAOA/AAAAAAAA4D8CAAAAjAAAAAAAAAAAAAAA////AP///wgAAAAAAAAAAAAAAAAAAAAAAAAAAAAAAAAAAAAAeAAAAAEAAABAAAAAAAAAAAAAAABaAAAAAAAAAAAAAAAAAAAAAAAAAAAAAAAAAAAAAAAAAAAAAAAAAAAAAAAAAAAAAAAAAAAAAAAAAAAAAAAAAAAAAAAAAAAAAAAAAAAAFAAAADwAAAAAAAAAAAAAAAAAAAAPAAAAAQAAACMAAAAjAAAAIwAAAB4AAAAAAAAAZAAAAGQAAAAAAAAAZAAAAGQAAAAVAAAAYAAAAAAAAAAAAAAADwAAACADAAAAAAAAAAAAAAEAAACgMgAAVgcAAKr4//8BAAAAf39/AAEAAABkAAAAAAAAABQAAABAHwAAAAAAACYAAAAAAAAAwOD//wAAAAAmAAAAZAAAABYAAABMAAAAAAAAAAAAAAAEAAAAAAAAAAEAAADu7OEKAAAAACgAAAAoAAAAZAAAAGQAAAAAAAAAzMzMAAAAAABQAAAAUAAAAGQAAABkAAAAAAAAABcAAAAUAAAAAAAAAAAAAAD/fwAA/38AAAAAAAAJAAAABAAAAAAAAAAMAAAAEAAAAAAAAAAAAAAAAAAAAAAAAAAeAAAAaAAAAAAAAAAAAAAAAAAAAAAAAAAAAAAAECcAABAnAAAAAAAAAAAAAAAAAAAAAAAAAAAAAAAAAAAAAAAAAAAAABQAAAAAAAAAwMD/AAAAAABkAAAAMgAAAAAAAABkAAAAAAAAAH9/fwAKAAAAHwAAAFQAAAD///8A////AQAAAAAAAAAAAAAAAAAAAAAAAAAAAAAAAAAAAAAAAAAAAAAAAH9/fwDu7OEDzMzMAMDA/wB/f38AAAAAAAAAAAAAAAAAAAAAAAAAAAAhAAAAGAAAABQAAADIBQAAoCMAAMg9AADmJQAAEAAAACYAAAAIAAAAAAAAAAAAAAA="/>
-              </a:ext>
-            </a:extLst>
-          </p:cNvSpPr>
-          <p:nvPr>
-            <p:ph type="subTitle" idx="4"/>
-          </p:nvPr>
-        </p:nvSpPr>
-        <p:spPr/>
-        <p:txBody>
-          <a:bodyPr/>
-          <a:lstStyle/>
-          <a:p>
-            <a:pPr>
-              <a:defRPr lang="de-de"/>
-            </a:pPr>
-            <a:r>
-              <a:rPr lang="en-gb"/>
-              <a:t>Do you have any questions?</a:t>
-            </a:r>
-            <a:endParaRPr lang="en-gb"/>
-          </a:p>
-        </p:txBody>
-      </p:sp>
-      <p:sp>
-        <p:nvSpPr>
-          <p:cNvPr id="3" name="Titre 6"/>
-          <p:cNvSpPr>
-            <a:spLocks noGrp="1" noChangeArrowheads="1"/>
-            <a:extLst>
-              <a:ext uri="smNativeData">
-                <pr:smNativeData xmlns:pr="smNativeData" val="SMDATA_13_eIVQYBMAAAAlAAAAZAAAAA0AAAAAAAAAAAAAAAAAAAAAAAAAAAAAAAAAAAAAAAAAAAEAAABQAAAAAAAAAAAA4D8AAAAAAADgPwAAAAAAAOA/AAAAAAAA4D8AAAAAAADgPwAAAAAAAOA/AAAAAAAA4D8AAAAAAADgPwAAAAAAAOA/AAAAAAAA4D8CAAAAjAAAAAAAAAAAAAAA////AP///wgAAAAAAAAAAAAAAAAAAAAAAAAAAAAAAAAAAAAAeAAAAAEAAABAAAAAAAAAAAAAAABaAAAAAAAAAAAAAAAAAAAAAAAAAAAAAAAAAAAAAAAAAAAAAAAAAAAAAAAAAAAAAAAAAAAAAAAAAAAAAAAAAAAAAAAAAAAAAAAAAAAAFAAAADwAAAAAAAAAAAAAAAAAAAAPAAAAAQAAACMAAAAjAAAAIwAAAB4AAAAAAAAAZAAAAGQAAAAAAAAAZAAAAGQAAAAVAAAAYAAAAAAAAAAAAAAADwAAACADAAAAAAAAAAAAAAEAAACgMgAAVgcAAKr4//8BAAAAf39/AAEAAABkAAAAAAAAABQAAABAHwAAAAAAACYAAAAAAAAAwOD//wAAAAAmAAAAZAAAABYAAABMAAAAAAAAAAAAAAAEAAAAAAAAAAEAAADu7OEKAAAAACgAAAAoAAAAZAAAAGQAAAAAAAAAzMzMAAAAAABQAAAAUAAAAGQAAABkAAAAAAAAABcAAAAUAAAAAAAAAAAAAAD/fwAA/38AAAAAAAAJAAAABAAAAAAAAAAMAAAAEAAAAAAAAAAAAAAAAAAAAAAAAAAeAAAAaAAAAAAAAAAAAAAAAAAAAAAAAAAAAAAAECcAABAnAAAAAAAAAAAAAAAAAAAAAAAAAAAAAAAAAAAAAAAAAAAAABQAAAAAAAAAwMD/AAAAAABkAAAAMgAAAAAAAABkAAAAAAAAAH9/fwAKAAAAHwAAAFQAAAD///8A////AQAAAAAAAAAAAAAAAAAAAAAAAAAAAAAAAAAAAAAAAAAAAAAAAH9/fwDu7OEDzMzMAMDA/wB/f38AAAAAAAAAAAAAAAAAAAAAAAAAAAAhAAAAGAAAABQAAACSBQAAmBwAAERIAABGIgAAEAAAACYAAAAIAAAAAAAAAAAAAAA="/>
+                <pr:smNativeData xmlns:pr="smNativeData" xmlns:p14="http://schemas.microsoft.com/office/powerpoint/2010/main" xmlns="" val="SMDATA_13_eIVQYBMAAAAlAAAAZAAAAA0AAAAAAAAAAAAAAAAAAAAAAAAAAAAAAAAAAAAAAAAAAAEAAABQAAAAAAAAAAAA4D8AAAAAAADgPwAAAAAAAOA/AAAAAAAA4D8AAAAAAADgPwAAAAAAAOA/AAAAAAAA4D8AAAAAAADgPwAAAAAAAOA/AAAAAAAA4D8CAAAAjAAAAAAAAAAAAAAA////AP///wgAAAAAAAAAAAAAAAAAAAAAAAAAAAAAAAAAAAAAeAAAAAEAAABAAAAAAAAAAAAAAABaAAAAAAAAAAAAAAAAAAAAAAAAAAAAAAAAAAAAAAAAAAAAAAAAAAAAAAAAAAAAAAAAAAAAAAAAAAAAAAAAAAAAAAAAAAAAAAAAAAAAFAAAADwAAAAAAAAAAAAAAAAAAAAPAAAAAQAAACMAAAAjAAAAIwAAAB4AAAAAAAAAZAAAAGQAAAAAAAAAZAAAAGQAAAAVAAAAYAAAAAAAAAAAAAAADwAAACADAAAAAAAAAAAAAAEAAACgMgAAVgcAAKr4//8BAAAAf39/AAEAAABkAAAAAAAAABQAAABAHwAAAAAAACYAAAAAAAAAwOD//wAAAAAmAAAAZAAAABYAAABMAAAAAAAAAAAAAAAEAAAAAAAAAAEAAADu7OEKAAAAACgAAAAoAAAAZAAAAGQAAAAAAAAAzMzMAAAAAABQAAAAUAAAAGQAAABkAAAAAAAAABcAAAAUAAAAAAAAAAAAAAD/fwAA/38AAAAAAAAJAAAABAAAAAAAAQAMAAAAEAAAAAAAAAAAAAAAAAAAAAAAAAAeAAAAaAAAAAAAAAAAAAAAAAAAAAAAAAAAAAAAECcAABAnAAAAAAAAAAAAAAAAAAAAAAAAAAAAAAAAAAAAAAAAAAAAABQAAAAAAAAAwMD/AAAAAABkAAAAMgAAAAAAAABkAAAAAAAAAH9/fwAKAAAAHwAAAFQAAAD///8A////AQAAAAAAAAAAAAAAAAAAAAAAAAAAAAAAAAAAAAAAAAAAAAAAAH9/fwDu7OEDzMzMAMDA/wB/f38AAAAAAAAAAAAAAAAAAAAAAAAAAAAhAAAAGAAAABQAAADIBQAAiQsAAHpIAACzDwAAEAAAACYAAAAIAAAAAAAAAAAAAAA="/>
               </a:ext>
             </a:extLst>
           </p:cNvSpPr>
@@ -6841,84 +7339,21 @@
               <a:defRPr lang="de-de"/>
             </a:pPr>
             <a:r>
-              <a:rPr lang="en-gb"/>
-              <a:t>Thanks for your attention!</a:t>
-            </a:r>
-            <a:endParaRPr lang="en-gb"/>
-          </a:p>
-        </p:txBody>
-      </p:sp>
-    </p:spTree>
-  </p:cSld>
-  <p:clrMapOvr>
-    <a:masterClrMapping/>
-  </p:clrMapOvr>
-  <p:timing>
-    <p:tnLst>
-      <p:par>
-        <p:cTn id="1" dur="indefinite" restart="never" nodeType="tmRoot"/>
-      </p:par>
-    </p:tnLst>
-  </p:timing>
-</p:sld>
-</file>
-
-<file path=ppt/slides/slide18.xml><?xml version="1.0" encoding="utf-8"?>
-<p:sld xmlns:p="http://schemas.openxmlformats.org/presentationml/2006/main" xmlns:p14="http://schemas.microsoft.com/office/powerpoint/2010/main" xmlns:r="http://schemas.openxmlformats.org/officeDocument/2006/relationships" xmlns:a="http://schemas.openxmlformats.org/drawingml/2006/main">
-  <p:cSld>
-    <p:spTree>
-      <p:nvGrpSpPr>
-        <p:cNvPr id="1" name=""/>
-        <p:cNvGrpSpPr/>
-        <p:nvPr/>
-      </p:nvGrpSpPr>
-      <p:grpSpPr>
-        <a:xfrm>
-          <a:off x="0" y="0"/>
-          <a:ext cx="0" cy="0"/>
-          <a:chOff x="0" y="0"/>
-          <a:chExt cx="0" cy="0"/>
-        </a:xfrm>
-      </p:grpSpPr>
-      <p:sp>
-        <p:nvSpPr>
-          <p:cNvPr id="2" name="Titre 1"/>
+              <a:rPr lang="en-us" dirty="0"/>
+              <a:t>Introduction</a:t>
+            </a:r>
+            <a:endParaRPr lang="en-gb" dirty="0"/>
+          </a:p>
+        </p:txBody>
+      </p:sp>
+      <p:sp>
+        <p:nvSpPr>
+          <p:cNvPr id="3" name="Content Placeholder 2"/>
           <p:cNvSpPr>
             <a:spLocks noGrp="1" noChangeArrowheads="1"/>
             <a:extLst>
               <a:ext uri="smNativeData">
-                <pr:smNativeData xmlns:pr="smNativeData" val="SMDATA_13_eIVQYBMAAAAlAAAAZAAAAA0AAAAAAAAAAAAAAAAAAAAAAAAAAAAAAAAAAAAAAAAAAAEAAABQAAAAAAAAAAAA4D8AAAAAAADgPwAAAAAAAOA/AAAAAAAA4D8AAAAAAADgPwAAAAAAAOA/AAAAAAAA4D8AAAAAAADgPwAAAAAAAOA/AAAAAAAA4D8CAAAAjAAAAAAAAAAAAAAA////AP///wgAAAAAAAAAAAAAAAAAAAAAAAAAAAAAAAAAAAAAeAAAAAEAAABAAAAAAAAAAAAAAABaAAAAAAAAAAAAAAAAAAAAAAAAAAAAAAAAAAAAAAAAAAAAAAAAAAAAAAAAAAAAAAAAAAAAAAAAAAAAAAAAAAAAAAAAAAAAAAAAAAAAFAAAADwAAAAAAAAAAAAAAAAAAAAPAAAAAQAAACMAAAAjAAAAIwAAAB4AAAAAAAAAZAAAAGQAAAAAAAAAZAAAAGQAAAAVAAAAYAAAAAAAAAAAAAAADwAAACADAAAAAAAAAAAAAAEAAACgMgAAVgcAAKr4//8BAAAAf39/AAEAAABkAAAAAAAAABQAAABAHwAAAAAAACYAAAAAAAAAwOD//wAAAAAmAAAAZAAAABYAAABMAAAAAAAAAAAAAAAEAAAAAAAAAAEAAADu7OEKAAAAACgAAAAoAAAAZAAAAGQAAAAAAAAAzMzMAAAAAABQAAAAUAAAAGQAAABkAAAAAAAAABcAAAAUAAAAAAAAAAAAAAD/fwAA/38AAAAAAAAJAAAABAAAAAAAAAAMAAAAEAAAAAAAAAAAAAAAAAAAAAAAAAAeAAAAaAAAAAAAAAAAAAAAAAAAAAAAAAAAAAAAECcAABAnAAAAAAAAAAAAAAAAAAAAAAAAAAAAAAAAAAAAAAAAAAAAABQAAAAAAAAAwMD/AAAAAABkAAAAMgAAAAAAAABkAAAAAAAAAH9/fwAKAAAAHwAAAFQAAAD///8A////AQAAAAAAAAAAAAAAAAAAAAAAAAAAAAAAAAAAAAAAAAAAAAAAAH9/fwDu7OEDzMzMAMDA/wB/f38AAAAAAAAAAAAAAAAAAAAAAAAAAAAhAAAAGAAAABQAAADIBQAAiQsAAHpIAACzDwAAEAAAACYAAAAIAAAAAAAAAAAAAAA="/>
-              </a:ext>
-            </a:extLst>
-          </p:cNvSpPr>
-          <p:nvPr>
-            <p:ph type="title"/>
-          </p:nvPr>
-        </p:nvSpPr>
-        <p:spPr/>
-        <p:txBody>
-          <a:bodyPr/>
-          <a:lstStyle/>
-          <a:p>
-            <a:pPr>
-              <a:defRPr lang="de-de"/>
-            </a:pPr>
-            <a:r>
-              <a:rPr lang="en-gb"/>
-              <a:t>References</a:t>
-            </a:r>
-            <a:endParaRPr lang="en-gb"/>
-          </a:p>
-        </p:txBody>
-      </p:sp>
-      <p:sp>
-        <p:nvSpPr>
-          <p:cNvPr id="3" name="Espace réservé du texte 2"/>
-          <p:cNvSpPr>
-            <a:spLocks noGrp="1" noChangeArrowheads="1"/>
-            <a:extLst>
-              <a:ext uri="smNativeData">
-                <pr:smNativeData xmlns:pr="smNativeData" val="SMDATA_13_eIVQYBMAAAAlAAAAZAAAAA0AAAAAAAAAAAAAAAAAAAAAAAAAAAAAAAAAAAAAAAAAAAEAAABQAAAAAAAAAAAA4D8AAAAAAADgPwAAAAAAAOA/AAAAAAAA4D8AAAAAAADgPwAAAAAAAOA/AAAAAAAA4D8AAAAAAADgPwAAAAAAAOA/AAAAAAAA4D8CAAAAjAAAAAAAAAAAAAAA////AP///wgAAAAAAAAAAAAAAAAAAAAAAAAAAAAAAAAAAAAAeAAAAAEAAABAAAAAAAAAAAAAAABaAAAAAAAAAAAAAAAAAAAAAAAAAAAAAAAAAAAAAAAAAAAAAAAAAAAAAAAAAAAAAAAAAAAAAAAAAAAAAAAAAAAAAAAAAAAAAAAAAAAAFAAAADwAAAAAAAAAAAAAAAAAAAAPAAAAAQAAACMAAAAjAAAAIwAAAB4AAAAAAAAAZAAAAGQAAAAAAAAAZAAAAGQAAAAVAAAAYAAAAAAAAAAAAAAADwAAACADAAAAAAAAAAAAAAEAAACgMgAAVgcAAKr4//8BAAAAf39/AAEAAABkAAAAAAAAABQAAABAHwAAAAAAACYAAAAAAAAAwOD//wAAAAAmAAAAZAAAABYAAABMAAAAAAAAAAAAAAAEAAAAAAAAAAEAAADu7OEKAAAAACgAAAAoAAAAZAAAAGQAAAAAAAAAzMzMAAAAAABQAAAAUAAAAGQAAABkAAAAAAAAABcAAAAUAAAAAAAAAAAAAAD/fwAA/38AAAAAAAAJAAAABAAAAAAAAAAMAAAAEAAAAAAAAAAAAAAAAAAAAAAAAAAeAAAAaAAAAAAAAAAAAAAAAAAAAAAAAAAAAAAAECcAABAnAAAAAAAAAAAAAAAAAAAAAAAAAAAAAAAAAAAAAAAAAAAAABQAAAAAAAAAwMD/AAAAAABkAAAAMgAAAAAAAABkAAAAAAAAAH9/fwAKAAAAHwAAAFQAAAD///8A////AQAAAAAAAAAAAAAAAAAAAAAAAAAAAAAAAAAAAAAAAAAAAAAAAH9/fwDu7OEDzMzMAMDA/wB/f38AAAAAAAAAAAAAAAAAAAAAAAAAAAAhAAAAGAAAABQAAADIBQAAwBIAAKpJAACgOwAAEAAAACYAAAAIAAAAAQAAAAAAAAA="/>
+                <pr:smNativeData xmlns:pr="smNativeData" xmlns:p14="http://schemas.microsoft.com/office/powerpoint/2010/main" xmlns="" val="SMDATA_13_eIVQYBMAAAAlAAAAZAAAAA0AAAAAAAAAAAAAAAAAAAAAAAAAAAAAAAAAAAAAAAAAAAEAAABQAAAAAAAAAAAA4D8AAAAAAADgPwAAAAAAAOA/AAAAAAAA4D8AAAAAAADgPwAAAAAAAOA/AAAAAAAA4D8AAAAAAADgPwAAAAAAAOA/AAAAAAAA4D8CAAAAjAAAAAAAAAAAAAAA////AP///wgAAAAAAAAAAAAAAAAAAAAAAAAAAAAAAAAAAAAAeAAAAAEAAABAAAAAAAAAAAAAAABaAAAAAAAAAAAAAAAAAAAAAAAAAAAAAAAAAAAAAAAAAAAAAAAAAAAAAAAAAAAAAAAAAAAAAAAAAAAAAAAAAAAAAAAAAAAAAAAAAAAAFAAAADwAAAAAAAAAAAAAAAAAAAAPAAAAAQAAACMAAAAjAAAAIwAAAB4AAAAAAAAAZAAAAGQAAAAAAAAAZAAAAGQAAAAVAAAAYAAAAAAAAAAAAAAADwAAACADAAAAAAAAAAAAAAEAAACgMgAAVgcAAKr4//8BAAAAf39/AAEAAABkAAAAAAAAABQAAABAHwAAAAAAACYAAAAAAAAAwOD//wAAAAAmAAAAZAAAABYAAABMAAAAAAAAAAAAAAAEAAAAAAAAAAEAAADu7OEKAAAAACgAAAAoAAAAZAAAAGQAAAAAAAAAzMzMAAAAAABQAAAAUAAAAGQAAABkAAAAAAAAABcAAAAUAAAAAAAAAAAAAAD/fwAA/38AAAAAAAAJAAAABAAAAAAAAAAMAAAAEAAAAAAAAAAAAAAAAAAAAAAAAAAeAAAAaAAAAAAAAAAAAAAAAAAAAAAAAAAAAAAAECcAABAnAAAAAAAAAAAAAAAAAAAAAAAAAAAAAAAAAAAAAAAAAAAAABQAAAAAAAAAwMD/AAAAAABkAAAAMgAAAAAAAABkAAAAAAAAAH9/fwAKAAAAHwAAAFQAAAD///8A////AQAAAAAAAAAAAAAAAAAAAAAAAAAAAAAAAAAAAAAAAAAAAAAAAH9/fwDu7OEDzMzMAMDA/wB/f38AAAAAAAAAAAAAAAAAAAAAAAAAAAAhAAAAGAAAABQAAADIBQAAwBIAAHpIAAD/MAAAEAAAACYAAAAIAAAAAYAAAAAAAAA="/>
               </a:ext>
             </a:extLst>
           </p:cNvSpPr>
@@ -6929,276 +7364,7 @@
         <p:spPr>
           <a:xfrm>
             <a:off x="939800" y="3048000"/>
-            <a:ext cx="11035030" cy="6644640"/>
-          </a:xfrm>
-        </p:spPr>
-        <p:txBody>
-          <a:bodyPr/>
-          <a:lstStyle/>
-          <a:p>
-            <a:pPr marL="271780" indent="-271780" algn="just">
-              <a:spcAft>
-                <a:spcPts val="600"/>
-              </a:spcAft>
-              <a:defRPr lang="de-de"/>
-            </a:pPr>
-            <a:r>
-              <a:rPr lang="en-gb" sz="1600"/>
-              <a:t>[1] P. Datta, A. S. Namin, and M. Chatterjee, “A survey of privacy concerns in wearable devices,” in 2018 IEEE International Conference on Big Data (Big Data), IEEE, 2018, pp. 4549–4553.</a:t>
-            </a:r>
-            <a:endParaRPr lang="en-gb" sz="1600"/>
-          </a:p>
-          <a:p>
-            <a:pPr marL="271780" indent="-271780" algn="just">
-              <a:spcAft>
-                <a:spcPts val="600"/>
-              </a:spcAft>
-              <a:defRPr lang="en-gb" sz="1600"/>
-            </a:pPr>
-            <a:r>
-              <a:t>[2] V. G. Motti and K. Caine, “Users’ privacy concerns about wearables,” in International Conference on Financial Cryptography and Data Security, Springer, 2015, pp. 231–244.</a:t>
-            </a:r>
-          </a:p>
-          <a:p>
-            <a:pPr marL="271780" indent="-271780" algn="just">
-              <a:spcAft>
-                <a:spcPts val="600"/>
-              </a:spcAft>
-              <a:defRPr lang="en-gb" sz="1600"/>
-            </a:pPr>
-            <a:r>
-              <a:t>[3] D. Dobbelstein, P. Henzler, and E. Rukzio, “Unconstrained pedestrian navigation based on vibro-tactile feedback around the wristband of a smartwatch,” in Proceedings of the 2016 CHI Conference Extended Abstracts on Human Factors in Computing Systems, 2016, pp. 2439–2445.</a:t>
-            </a:r>
-          </a:p>
-          <a:p>
-            <a:pPr marL="271780" indent="-271780" algn="just">
-              <a:spcAft>
-                <a:spcPts val="600"/>
-              </a:spcAft>
-              <a:defRPr lang="en-gb" sz="1600"/>
-            </a:pPr>
-            <a:r>
-              <a:t>[4] S. Goodman, S. Kirchner, R. Guttman, D. Jain, J. Froehlich, and L. Findlater, “Evaluating smartwatch-based sound feedback for deaf and hard-of-hearing users across contexts,” in Proceedings of the 2020 CHI Conference on Human Factors in Computing Systems, 2020, pp. 1–13.</a:t>
-            </a:r>
-          </a:p>
-          <a:p>
-            <a:pPr marL="271780" indent="-271780" algn="just">
-              <a:spcAft>
-                <a:spcPts val="600"/>
-              </a:spcAft>
-              <a:defRPr lang="en-gb" sz="1600"/>
-            </a:pPr>
-            <a:r>
-              <a:t>[5] J. Lee, Y. Song, J. Oh, Y. Chee, C. Ahn, H. Shin, H. Kang, and T. H. Lim, “Smartwatch feedback device for high-qualit chest compressions by a single rescuer during infant cardiac arrest: A randomized, controlled simulation study,” European Journal of Emergency Medicine, vol. 26, no. 4, p. 266, 2019.</a:t>
-            </a:r>
-          </a:p>
-          <a:p>
-            <a:pPr marL="271780" indent="-271780" algn="just">
-              <a:spcAft>
-                <a:spcPts val="600"/>
-              </a:spcAft>
-              <a:defRPr lang="en-gb" sz="1600"/>
-            </a:pPr>
-            <a:r>
-              <a:t>[6] M. Williams, J. R. Nurse, and S. Creese, “(smart) watch out! encouraging privacy-protective behavior through interactive games,” International Journal of Human-Computer Studies, vol. 132, pp. 121–137, 2019. </a:t>
-            </a:r>
-          </a:p>
-          <a:p>
-            <a:pPr marL="271780" indent="-271780" algn="just">
-              <a:spcAft>
-                <a:spcPts val="600"/>
-              </a:spcAft>
-              <a:defRPr lang="en-gb" sz="1600"/>
-            </a:pPr>
-            <a:r>
-              <a:t>[7] S. Patil, R. Hoyle, R. Schlegel, A. Kapadia, and A. J. Lee, “Interrupt now or inform later? comparing immediate and delayed privacy feedback,” in Proceedings of the 33rd Annual ACM Conference on Human Factors in Computing Systems, 2015, pp. 1415–1418.</a:t>
-            </a:r>
-          </a:p>
-          <a:p>
-            <a:pPr marL="271780" indent="-271780" algn="just">
-              <a:spcAft>
-                <a:spcPts val="600"/>
-              </a:spcAft>
-              <a:defRPr lang="en-gb" sz="1600"/>
-            </a:pPr>
-            <a:r>
-              <a:t>[8] E. S. Udoh and A. Alkharashi, “Privacy risk awareness and the behavior of smartwatch users: A case study of indiana university students,” in 2016 Future Technologies Conference (FTC), IEEE, 2016, pp. 926–931.</a:t>
-            </a:r>
-          </a:p>
-          <a:p>
-            <a:pPr marL="271780" indent="-271780" algn="just">
-              <a:spcAft>
-                <a:spcPts val="600"/>
-              </a:spcAft>
-              <a:defRPr lang="en-gb" sz="1600"/>
-            </a:pPr>
-          </a:p>
-          <a:p>
-            <a:pPr marL="271780" indent="-271780" algn="just">
-              <a:spcAft>
-                <a:spcPts val="600"/>
-              </a:spcAft>
-              <a:defRPr lang="de-de"/>
-            </a:pPr>
-          </a:p>
-          <a:p>
-            <a:pPr marL="271780" indent="-271780" algn="l">
-              <a:defRPr lang="de-de"/>
-            </a:pPr>
-            <a:endParaRPr lang="en-gb" sz="1400"/>
-          </a:p>
-          <a:p>
-            <a:pPr marL="271780" indent="-271780" algn="l">
-              <a:defRPr lang="de-de"/>
-            </a:pPr>
-            <a:endParaRPr lang="en-gb" sz="1400"/>
-          </a:p>
-          <a:p>
-            <a:pPr algn="l">
-              <a:defRPr lang="de-de"/>
-            </a:pPr>
-            <a:endParaRPr lang="en-gb" sz="1400"/>
-          </a:p>
-        </p:txBody>
-      </p:sp>
-      <p:sp>
-        <p:nvSpPr>
-          <p:cNvPr id="4" name="Espace réservé de la date 4"/>
-          <p:cNvSpPr>
-            <a:spLocks noGrp="1" noChangeArrowheads="1"/>
-            <a:extLst>
-              <a:ext uri="smNativeData">
-                <pr:smNativeData xmlns:pr="smNativeData" val="SMDATA_13_eIVQYBMAAAAlAAAAZAAAAA0AAAAAAAAAAAAAAAAAAAAAAAAAAAAAAAAAAAAAAAAAAAEAAABQAAAAAAAAAAAA4D8AAAAAAADgPwAAAAAAAOA/AAAAAAAA4D8AAAAAAADgPwAAAAAAAOA/AAAAAAAA4D8AAAAAAADgPwAAAAAAAOA/AAAAAAAA4D8CAAAAjAAAAAAAAAAAAAAA////AP///wgAAAAAAAAAAAAAAAAAAAAAAAAAAAAAAAAAAAAAeAAAAAEAAABAAAAAAAAAAAAAAABaAAAAAAAAAAAAAAAAAAAAAAAAAAAAAAAAAAAAAAAAAAAAAAAAAAAAAAAAAAAAAAAAAAAAAAAAAAAAAAAAAAAAAAAAAAAAAAAAAAAAFAAAADwAAAAAAAAAAAAAAAAAAAAPAAAAAQAAACMAAAAjAAAAIwAAAB4AAAAAAAAAZAAAAGQAAAAAAAAAZAAAAGQAAAAVAAAAYAAAAAAAAAAAAAAADwAAACADAAAAAAAAAAAAAAEAAACgMgAAVgcAAKr4//8BAAAAf39/AAEAAABkAAAAAAAAABQAAABAHwAAAAAAACYAAAAAAAAAwOD//wAAAAAmAAAAZAAAABYAAABMAAAAAAAAAAAAAAAEAAAAAAAAAAEAAADu7OEKAAAAACgAAAAoAAAAZAAAAGQAAAAAAAAAzMzMAAAAAABQAAAAUAAAAGQAAABkAAAAAAAAABcAAAAUAAAAAAAAAAAAAAD/fwAA/38AAAAAAAAJAAAABAAAAAAAAAAMAAAAEAAAAAAAAAAAAAAAAAAAAAAAAAAeAAAAaAAAAAAAAAAAAAAAAAAAAAAAAAAAAAAAECcAABAnAAAAAAAAAAAAAAAAAAAAAAAAAAAAAAAAAAAAAAAAAAAAABQAAAAAAAAAwMD/AAAAAABkAAAAMgAAAAAAAABkAAAAAAAAAH9/fwAKAAAAHwAAAFQAAAD///8A////AQAAAAAAAAAAAAAAAAAAAAAAAAAAAAAAAAAAAAAAAAAAAAAAAH9/fwDu7OEDzMzMAMDA/wB/f38AAAAAAAAAAAAAAAAAAAAAAAAAAAAhAAAAGAAAABQAAADqAQAA4DgAAPAKAACYOgAAEAAAACYAAAAIAAAAAAAAAAAAAAA="/>
-              </a:ext>
-            </a:extLst>
-          </p:cNvSpPr>
-          <p:nvPr>
-            <p:ph type="dt" sz="half" idx="2"/>
-          </p:nvPr>
-        </p:nvSpPr>
-        <p:spPr/>
-        <p:txBody>
-          <a:bodyPr/>
-          <a:lstStyle/>
-          <a:p>
-            <a:pPr>
-              <a:defRPr lang="de-de"/>
-            </a:pPr>
-            <a:r>
-              <a:t>26.03.2021</a:t>
-            </a:r>
-          </a:p>
-        </p:txBody>
-      </p:sp>
-      <p:sp>
-        <p:nvSpPr>
-          <p:cNvPr id="5" name="Espace réservé du numéro de diapositive 5"/>
-          <p:cNvSpPr>
-            <a:spLocks noGrp="1" noChangeArrowheads="1"/>
-            <a:extLst>
-              <a:ext uri="smNativeData">
-                <pr:smNativeData xmlns:pr="smNativeData" val="SMDATA_13_eIVQYBMAAAAlAAAAZAAAAA0AAAAAAAAAAAAAAAAAAAAAAAAAAAAAAAAAAAAAAAAAAAEAAABQAAAAAAAAAAAA4D8AAAAAAADgPwAAAAAAAOA/AAAAAAAA4D8AAAAAAADgPwAAAAAAAOA/AAAAAAAA4D8AAAAAAADgPwAAAAAAAOA/AAAAAAAA4D8CAAAAjAAAAAAAAAAAAAAA////AP///wgAAAAAAAAAAAAAAAAAAAAAAAAAAAAAAAAAAAAAeAAAAAEAAABAAAAAAAAAAAAAAABaAAAAAAAAAAAAAAAAAAAAAAAAAAAAAAAAAAAAAAAAAAAAAAAAAAAAAAAAAAAAAAAAAAAAAAAAAAAAAAAAAAAAAAAAAAAAAAAAAAAAFAAAADwAAAAAAAAAAAAAAAAAAAAPAAAAAQAAACMAAAAjAAAAIwAAAB4AAAAAAAAAZAAAAGQAAAAAAAAAZAAAAGQAAAAVAAAAYAAAAAAAAAAAAAAADwAAACADAAAAAAAAAAAAAAEAAACgMgAAVgcAAKr4//8BAAAAf39/AAEAAABkAAAAAAAAABQAAABAHwAAAAAAACYAAAAAAAAAwOD//wAAAAAmAAAAZAAAABYAAABMAAAAAAAAAAAAAAAEAAAAAAAAAAEAAADu7OEKAAAAACgAAAAoAAAAZAAAAGQAAAAAAAAAzMzMAAAAAABQAAAAUAAAAGQAAABkAAAAAAAAABcAAAAUAAAAAAAAAAAAAAD/fwAA/38AAAAAAAAJAAAABAAAAAAAAAAMAAAAEAAAAAAAAAAAAAAAAAAAAAAAAAAeAAAAaAAAAAAAAAAAAAAAAAAAAAAAAAAAAAAAECcAABAnAAAAAAAAAAAAAAAAAAAAAAAAAAAAAAAAAAAAAAAAAAAAABQAAAAAAAAAwMD/AAAAAABkAAAAMgAAAAAAAABkAAAAAAAAAH9/fwAKAAAAHwAAAFQAAAD///8A////AQAAAAAAAAAAAAAAAAAAAAAAAAAAAAAAAAAAAAAAAAAAAAAAAH9/fwDu7OEDzMzMAMDA/wB/f38AAAAAAAAAAAAAAAAAAAAAAAAAAAAhAAAAGAAAABQAAADQSAAAGDkAABZOAACYOgAAEAAAACYAAAAIAAAAAAAAAAAAAAA="/>
-              </a:ext>
-            </a:extLst>
-          </p:cNvSpPr>
-          <p:nvPr>
-            <p:ph type="sldNum" sz="quarter" idx="4"/>
-          </p:nvPr>
-        </p:nvSpPr>
-        <p:spPr/>
-        <p:txBody>
-          <a:bodyPr/>
-          <a:lstStyle/>
-          <a:p>
-            <a:pPr>
-              <a:defRPr lang="de-de"/>
-            </a:pPr>
-            <a:fld id="{0465078A-C4E9-30F1-A7DD-32A449935167}" type="slidenum">
-              <a:t>18</a:t>
-            </a:fld>
-          </a:p>
-        </p:txBody>
-      </p:sp>
-    </p:spTree>
-  </p:cSld>
-  <p:clrMapOvr>
-    <a:masterClrMapping/>
-  </p:clrMapOvr>
-  <p:timing>
-    <p:tnLst>
-      <p:par>
-        <p:cTn id="1" dur="indefinite" restart="never" nodeType="tmRoot"/>
-      </p:par>
-    </p:tnLst>
-  </p:timing>
-</p:sld>
-</file>
-
-<file path=ppt/slides/slide2.xml><?xml version="1.0" encoding="utf-8"?>
-<p:sld xmlns:p="http://schemas.openxmlformats.org/presentationml/2006/main" xmlns:p14="http://schemas.microsoft.com/office/powerpoint/2010/main" xmlns:r="http://schemas.openxmlformats.org/officeDocument/2006/relationships" xmlns:a="http://schemas.openxmlformats.org/drawingml/2006/main">
-  <p:cSld>
-    <p:spTree>
-      <p:nvGrpSpPr>
-        <p:cNvPr id="1" name=""/>
-        <p:cNvGrpSpPr/>
-        <p:nvPr/>
-      </p:nvGrpSpPr>
-      <p:grpSpPr>
-        <a:xfrm>
-          <a:off x="0" y="0"/>
-          <a:ext cx="0" cy="0"/>
-          <a:chOff x="0" y="0"/>
-          <a:chExt cx="0" cy="0"/>
-        </a:xfrm>
-      </p:grpSpPr>
-      <p:sp>
-        <p:nvSpPr>
-          <p:cNvPr id="2" name="object 62"/>
-          <p:cNvSpPr>
-            <a:spLocks noGrp="1" noChangeArrowheads="1"/>
-            <a:extLst>
-              <a:ext uri="smNativeData">
-                <pr:smNativeData xmlns:pr="smNativeData" val="SMDATA_13_eIVQYBMAAAAlAAAAZAAAAA0AAAAAAAAAAAAAAAAAAAAAAAAAAAAAAAAAAAAAAAAAAAEAAABQAAAAAAAAAAAA4D8AAAAAAADgPwAAAAAAAOA/AAAAAAAA4D8AAAAAAADgPwAAAAAAAOA/AAAAAAAA4D8AAAAAAADgPwAAAAAAAOA/AAAAAAAA4D8CAAAAjAAAAAAAAAAAAAAA////AP///wgAAAAAAAAAAAAAAAAAAAAAAAAAAAAAAAAAAAAAeAAAAAEAAABAAAAAAAAAAAAAAABaAAAAAAAAAAAAAAAAAAAAAAAAAAAAAAAAAAAAAAAAAAAAAAAAAAAAAAAAAAAAAAAAAAAAAAAAAAAAAAAAAAAAAAAAAAAAAAAAAAAAFAAAADwAAAAAAAAAAAAAAAAAAAAPAAAAAQAAACMAAAAjAAAAIwAAAB4AAAAAAAAAZAAAAGQAAAAAAAAAZAAAAGQAAAAVAAAAYAAAAAAAAAAAAAAADwAAACADAAAAAAAAAAAAAAEAAACgMgAAVgcAAKr4//8BAAAAf39/AAEAAABkAAAAAAAAABQAAABAHwAAAAAAACYAAAAAAAAAwOD//wAAAAAmAAAAZAAAABYAAABMAAAAAAAAAAAAAAAEAAAAAAAAAAEAAADu7OEKAAAAACgAAAAoAAAAZAAAAGQAAAAAAAAAzMzMAAAAAABQAAAAUAAAAGQAAABkAAAAAAAAABcAAAAUAAAAAAAAAAAAAAD/fwAA/38AAAAAAAAJAAAABAAAAPkGAAAMAAAAEAAAAAAAAAAAAAAAAAAAAAAAAAAeAAAAaAAAAAAAAAAAAAAAAAAAAAAAAAAAAAAAECcAABAnAAAAAAAAAAAAAAAAAAAAAAAAAAAAAAAAAAAAAAAAAAAAABQAAAAAAAAAwMD/AAAAAABkAAAAMgAAAAAAAABkAAAAAAAAAH9/fwAKAAAAHwAAAFQAAAD///8A////AQAAAAAAAAAAAAAAAAAAAAAAAAAAAAAAAAAAAAAAAAAAAAAAAH9/fwDu7OEDzMzMAMDA/wB/f38AAAAAAAAAAAAAAAAAAAAAAAAAAAAhAAAAGAAAABQAAADIBQAAiQsAAHpIAACzDwAAEAAAACYAAAAIAAAAAAAAAAAAAAA="/>
-              </a:ext>
-            </a:extLst>
-          </p:cNvSpPr>
-          <p:nvPr>
-            <p:ph type="title"/>
-          </p:nvPr>
-        </p:nvSpPr>
-        <p:spPr/>
-        <p:txBody>
-          <a:bodyPr/>
-          <a:lstStyle/>
-          <a:p>
-            <a:pPr>
-              <a:defRPr lang="de-de"/>
-            </a:pPr>
-            <a:r>
-              <a:t>Summary</a:t>
-            </a:r>
-          </a:p>
-        </p:txBody>
-      </p:sp>
-      <p:sp>
-        <p:nvSpPr>
-          <p:cNvPr id="3" name="object 61"/>
-          <p:cNvSpPr>
-            <a:spLocks noGrp="1" noChangeArrowheads="1"/>
-            <a:extLst>
-              <a:ext uri="smNativeData">
-                <pr:smNativeData xmlns:pr="smNativeData" val="SMDATA_13_eIVQYBMAAAAlAAAAZAAAAA0AAAAAAAAAAAAAAAAAAAAAAAAAAAAAAAAAAAAAAAAAAAEAAABQAAAAAAAAAAAA4D8AAAAAAADgPwAAAAAAAOA/AAAAAAAA4D8AAAAAAADgPwAAAAAAAOA/AAAAAAAA4D8AAAAAAADgPwAAAAAAAOA/AAAAAAAA4D8CAAAAjAAAAAAAAAAAAAAA////AP///wgAAAAAAAAAAAAAAAAAAAAAAAAAAAAAAAAAAAAAeAAAAAEAAABAAAAAAAAAAAAAAABaAAAAAAAAAAAAAAAAAAAAAAAAAAAAAAAAAAAAAAAAAAAAAAAAAAAAAAAAAAAAAAAAAAAAAAAAAAAAAAAAAAAAAAAAAAAAAAAAAAAAFAAAADwAAAAAAAAAAAAAAAAAAAAPAAAAAQAAACMAAAAjAAAAIwAAAB4AAAAAAAAAZAAAAGQAAAAAAAAAZAAAAGQAAAAVAAAAYAAAAAAAAAAAAAAADwAAACADAAAAAAAAAAAAAAEAAACgMgAAVgcAAKr4//8BAAAAf39/AAEAAABkAAAAAAAAABQAAABAHwAAAAAAACYAAAAAAAAAwOD//wAAAAAmAAAAZAAAABYAAABMAAAAAAAAAAAAAAAEAAAAAAAAAAEAAADu7OEKAAAAACgAAAAoAAAAZAAAAGQAAAAAAAAAzMzMAAAAAABQAAAAUAAAAGQAAABkAAAAAAAAABcAAAAUAAAAAAAAAAAAAAD/fwAA/38AAAAAAAAJAAAABAAAAAAPTLoMAAAAEAAAAAAAAAAAAAAAAAAAAAAAAAAeAAAAaAAAAAAAAAAAAAAAAAAAAAAAAAAAAAAAECcAABAnAAAAAAAAAAAAAAAAAAAAAAAAAAAAAAAAAAAAAAAAAAAAABQAAAAAAAAAwMD/AAAAAABkAAAAMgAAAAAAAABkAAAAAAAAAH9/fwAKAAAAHwAAAFQAAAD///8A////AQAAAAAAAAAAAAAAAAAAAAAAAAAAAAAAAAAAAAAAAAAAAAAAAH9/fwDu7OEDzMzMAMDA/wB/f38AAAAAAAAAAAAAAAAAAAAAAAAAAAAhAAAAGAAAABQAAADIBQAAwBIAAHpIAAAwLQAAEAAAACYAAAAIAAAAAYAAAAAAAAA="/>
-              </a:ext>
-            </a:extLst>
-          </p:cNvSpPr>
-          <p:nvPr>
-            <p:ph type="body" idx="1"/>
-          </p:nvPr>
-        </p:nvSpPr>
-        <p:spPr>
-          <a:xfrm>
-            <a:off x="939800" y="3048000"/>
-            <a:ext cx="10841990" cy="4297680"/>
+            <a:ext cx="10841990" cy="4916805"/>
           </a:xfrm>
         </p:spPr>
         <p:txBody>
@@ -7215,7 +7381,7 @@
                 <a:schemeClr val="accent1"/>
               </a:buClr>
               <a:buSzPts val="2910"/>
-              <a:buFont typeface="Wingdings" pitchFamily="0" charset="0"/>
+              <a:buFont typeface="Wingdings" charset="0"/>
               <a:buChar char="§"/>
               <a:tabLst/>
               <a:defRPr lang="de-de" sz="2800" b="0" i="0" baseline="0">
@@ -7246,7 +7412,7 @@
               <a:lnSpc>
                 <a:spcPct val="150000"/>
               </a:lnSpc>
-              <a:buFont typeface="Wingdings" pitchFamily="0" charset="0"/>
+              <a:buFont typeface="Wingdings" charset="0"/>
               <a:buChar char="§"/>
               <a:defRPr lang="de-de" sz="2000" b="0" i="0" baseline="0">
                 <a:solidFill>
@@ -7277,73 +7443,80 @@
             </a:lvl9pPr>
           </a:lstStyle>
           <a:p>
-            <a:pPr defTabSz="360045">
-              <a:tabLst/>
-              <a:defRPr lang="de-de"/>
-            </a:pPr>
-            <a:r>
-              <a:rPr lang="en-us"/>
-              <a:t>Introduction</a:t>
-            </a:r>
-            <a:endParaRPr lang="en-us"/>
-          </a:p>
-          <a:p>
-            <a:pPr defTabSz="360045">
-              <a:tabLst/>
-              <a:defRPr lang="en-us"/>
-            </a:pPr>
-            <a:r>
-              <a:t>Foundations</a:t>
-            </a:r>
-          </a:p>
-          <a:p>
-            <a:pPr defTabSz="360045">
-              <a:tabLst/>
-              <a:defRPr lang="en-us"/>
-            </a:pPr>
-            <a:r>
-              <a:t>Related Work</a:t>
-            </a:r>
-          </a:p>
-          <a:p>
-            <a:pPr defTabSz="360045">
-              <a:tabLst/>
-              <a:defRPr lang="en-us"/>
-            </a:pPr>
-            <a:r>
-              <a:t>Approach</a:t>
-            </a:r>
-          </a:p>
-          <a:p>
-            <a:pPr defTabSz="360045">
-              <a:tabLst/>
-              <a:defRPr lang="en-us"/>
-            </a:pPr>
-            <a:r>
-              <a:t>Discussion</a:t>
-            </a:r>
-          </a:p>
-          <a:p>
-            <a:pPr defTabSz="360045">
-              <a:tabLst/>
-              <a:defRPr lang="de-de"/>
-            </a:pPr>
-            <a:r>
-              <a:rPr lang="en-us"/>
-              <a:t>Conclusion</a:t>
-            </a:r>
-            <a:endParaRPr lang="en-us"/>
-          </a:p>
-        </p:txBody>
-      </p:sp>
-      <p:sp>
-        <p:nvSpPr>
-          <p:cNvPr id="4" name="Datumsplatzhalter 111"/>
+            <a:pPr>
+              <a:defRPr lang="de-de"/>
+            </a:pPr>
+            <a:r>
+              <a:rPr lang="en-us" dirty="0"/>
+              <a:t>Privacy paradox</a:t>
+            </a:r>
+          </a:p>
+          <a:p>
+            <a:pPr lvl="1">
+              <a:defRPr lang="de-de"/>
+            </a:pPr>
+            <a:r>
+              <a:rPr lang="en-US" dirty="0"/>
+              <a:t>Users have concerns about smartwatches [1],[2]</a:t>
+            </a:r>
+          </a:p>
+          <a:p>
+            <a:pPr lvl="1">
+              <a:defRPr lang="de-de"/>
+            </a:pPr>
+            <a:r>
+              <a:rPr lang="en-US" dirty="0"/>
+              <a:t>They do not act accordingly/misunderstand them [8]</a:t>
+            </a:r>
+            <a:endParaRPr lang="en-us" dirty="0"/>
+          </a:p>
+          <a:p>
+            <a:pPr>
+              <a:defRPr lang="de-de"/>
+            </a:pPr>
+            <a:r>
+              <a:rPr lang="en-us" dirty="0"/>
+              <a:t>How do we raise awareness?</a:t>
+            </a:r>
+          </a:p>
+          <a:p>
+            <a:pPr>
+              <a:defRPr lang="de-de"/>
+            </a:pPr>
+            <a:r>
+              <a:rPr lang="en-us" dirty="0"/>
+              <a:t>Our solution:</a:t>
+            </a:r>
+          </a:p>
+          <a:p>
+            <a:pPr lvl="1">
+              <a:defRPr lang="de-de"/>
+            </a:pPr>
+            <a:r>
+              <a:rPr lang="en-US" dirty="0"/>
+              <a:t>Application that collects data in a transparent way</a:t>
+            </a:r>
+          </a:p>
+          <a:p>
+            <a:pPr lvl="1">
+              <a:defRPr lang="de-de"/>
+            </a:pPr>
+            <a:r>
+              <a:rPr lang="en-US" dirty="0"/>
+              <a:t>Shows feedback to the user when sensor data is collected</a:t>
+            </a:r>
+            <a:endParaRPr lang="en-us" dirty="0"/>
+          </a:p>
+        </p:txBody>
+      </p:sp>
+      <p:sp>
+        <p:nvSpPr>
+          <p:cNvPr id="4" name="Date Placeholder 3"/>
           <p:cNvSpPr>
             <a:spLocks noGrp="1" noChangeArrowheads="1"/>
             <a:extLst>
               <a:ext uri="smNativeData">
-                <pr:smNativeData xmlns:pr="smNativeData" val="SMDATA_13_eIVQYBMAAAAlAAAAZAAAAA0AAAAAAAAAAAAAAAAAAAAAAAAAAAAAAAAAAAAAAAAAAAEAAABQAAAAAAAAAAAA4D8AAAAAAADgPwAAAAAAAOA/AAAAAAAA4D8AAAAAAADgPwAAAAAAAOA/AAAAAAAA4D8AAAAAAADgPwAAAAAAAOA/AAAAAAAA4D8CAAAAjAAAAAAAAAAAAAAA////AP///wgAAAAAAAAAAAAAAAAAAAAAAAAAAAAAAAAAAAAAeAAAAAEAAABAAAAAAAAAAAAAAABaAAAAAAAAAAAAAAAAAAAAAAAAAAAAAAAAAAAAAAAAAAAAAAAAAAAAAAAAAAAAAAAAAAAAAAAAAAAAAAAAAAAAAAAAAAAAAAAAAAAAFAAAADwAAAAAAAAAAAAAAAAAAAAPAAAAAQAAACMAAAAjAAAAIwAAAB4AAAAAAAAAZAAAAGQAAAAAAAAAZAAAAGQAAAAVAAAAYAAAAAAAAAAAAAAADwAAACADAAAAAAAAAAAAAAEAAACgMgAAVgcAAKr4//8BAAAAf39/AAEAAABkAAAAAAAAABQAAABAHwAAAAAAACYAAAAAAAAAwOD//wAAAAAmAAAAZAAAABYAAABMAAAAAAAAAAAAAAAEAAAAAAAAAAEAAADu7OEKAAAAACgAAAAoAAAAZAAAAGQAAAAAAAAAzMzMAAAAAABQAAAAUAAAAGQAAABkAAAAAAAAABcAAAAUAAAAAAAAAAAAAAD/fwAA/38AAAAAAAAJAAAABAAAAOwEAAAMAAAAEAAAAAAAAAAAAAAAAAAAAAAAAAAeAAAAaAAAAAAAAAAAAAAAAAAAAAAAAAAAAAAAECcAABAnAAAAAAAAAAAAAAAAAAAAAAAAAAAAAAAAAAAAAAAAAAAAABQAAAAAAAAAwMD/AAAAAABkAAAAMgAAAAAAAABkAAAAAAAAAH9/fwAKAAAAHwAAAFQAAAD///8A////AQAAAAAAAAAAAAAAAAAAAAAAAAAAAAAAAAAAAAAAAAAAAAAAAH9/fwDu7OEDzMzMAMDA/wB/f38AAAAAAAAAAAAAAAAAAAAAAAAAAAAhAAAAGAAAABQAAADqAQAA4DgAAPAKAACYOgAAEAAAACYAAAAIAAAAAAAAAAAAAAA="/>
+                <pr:smNativeData xmlns:pr="smNativeData" xmlns:p14="http://schemas.microsoft.com/office/powerpoint/2010/main" xmlns="" val="SMDATA_13_eIVQYBMAAAAlAAAAZAAAAA0AAAAAAAAAAAAAAAAAAAAAAAAAAAAAAAAAAAAAAAAAAAEAAABQAAAAAAAAAAAA4D8AAAAAAADgPwAAAAAAAOA/AAAAAAAA4D8AAAAAAADgPwAAAAAAAOA/AAAAAAAA4D8AAAAAAADgPwAAAAAAAOA/AAAAAAAA4D8CAAAAjAAAAAAAAAAAAAAA////AP///wgAAAAAAAAAAAAAAAAAAAAAAAAAAAAAAAAAAAAAeAAAAAEAAABAAAAAAAAAAAAAAABaAAAAAAAAAAAAAAAAAAAAAAAAAAAAAAAAAAAAAAAAAAAAAAAAAAAAAAAAAAAAAAAAAAAAAAAAAAAAAAAAAAAAAAAAAAAAAAAAAAAAFAAAADwAAAAAAAAAAAAAAAAAAAAPAAAAAQAAACMAAAAjAAAAIwAAAB4AAAAAAAAAZAAAAGQAAAAAAAAAZAAAAGQAAAAVAAAAYAAAAAAAAAAAAAAADwAAACADAAAAAAAAAAAAAAEAAACgMgAAVgcAAKr4//8BAAAAf39/AAEAAABkAAAAAAAAABQAAABAHwAAAAAAACYAAAAAAAAAwOD//wAAAAAmAAAAZAAAABYAAABMAAAAAAAAAAAAAAAEAAAAAAAAAAEAAADu7OEKAAAAACgAAAAoAAAAZAAAAGQAAAAAAAAAzMzMAAAAAABQAAAAUAAAAGQAAABkAAAAAAAAABcAAAAUAAAAAAAAAAAAAAD/fwAA/38AAAAAAAAJAAAABAAAACEcAAAMAAAAEAAAAAAAAAAAAAAAAAAAAAAAAAAeAAAAaAAAAAAAAAAAAAAAAAAAAAAAAAAAAAAAECcAABAnAAAAAAAAAAAAAAAAAAAAAAAAAAAAAAAAAAAAAAAAAAAAABQAAAAAAAAAwMD/AAAAAABkAAAAMgAAAAAAAABkAAAAAAAAAH9/fwAKAAAAHwAAAFQAAAD///8A////AQAAAAAAAAAAAAAAAAAAAAAAAAAAAAAAAAAAAAAAAAAAAAAAAH9/fwDu7OEDzMzMAMDA/wB/f38AAAAAAAAAAAAAAAAAAAAAAAAAAAAhAAAAGAAAABQAAADqAQAA4DgAAPAKAACYOgAAEAAAACYAAAAIAAAAAAAAAAAAAAA="/>
               </a:ext>
             </a:extLst>
           </p:cNvSpPr>
@@ -7360,19 +7533,20 @@
               <a:defRPr lang="de-de"/>
             </a:pPr>
             <a:r>
-              <a:t>26.03.2021</a:t>
-            </a:r>
-          </a:p>
-        </p:txBody>
-      </p:sp>
-      <p:sp>
-        <p:nvSpPr>
-          <p:cNvPr id="5" name="Foliennummernplatzhalter 112"/>
+              <a:rPr lang="en-us"/>
+              <a:t>25.03.2021</a:t>
+            </a:r>
+          </a:p>
+        </p:txBody>
+      </p:sp>
+      <p:sp>
+        <p:nvSpPr>
+          <p:cNvPr id="5" name="Slide Number Placeholder 4"/>
           <p:cNvSpPr>
             <a:spLocks noGrp="1" noChangeArrowheads="1"/>
             <a:extLst>
               <a:ext uri="smNativeData">
-                <pr:smNativeData xmlns:pr="smNativeData" val="SMDATA_13_eIVQYBMAAAAlAAAAZAAAAA0AAAAAAAAAAAAAAAAAAAAAAAAAAAAAAAAAAAAAAAAAAAEAAABQAAAAAAAAAAAA4D8AAAAAAADgPwAAAAAAAOA/AAAAAAAA4D8AAAAAAADgPwAAAAAAAOA/AAAAAAAA4D8AAAAAAADgPwAAAAAAAOA/AAAAAAAA4D8CAAAAjAAAAAAAAAAAAAAA////AP///wgAAAAAAAAAAAAAAAAAAAAAAAAAAAAAAAAAAAAAeAAAAAEAAABAAAAAAAAAAAAAAABaAAAAAAAAAAAAAAAAAAAAAAAAAAAAAAAAAAAAAAAAAAAAAAAAAAAAAAAAAAAAAAAAAAAAAAAAAAAAAAAAAAAAAAAAAAAAAAAAAAAAFAAAADwAAAAAAAAAAAAAAAAAAAAPAAAAAQAAACMAAAAjAAAAIwAAAB4AAAAAAAAAZAAAAGQAAAAAAAAAZAAAAGQAAAAVAAAAYAAAAAAAAAAAAAAADwAAACADAAAAAAAAAAAAAAEAAACgMgAAVgcAAKr4//8BAAAAf39/AAEAAABkAAAAAAAAABQAAABAHwAAAAAAACYAAAAAAAAAwOD//wAAAAAmAAAAZAAAABYAAABMAAAAAAAAAAAAAAAEAAAAAAAAAAEAAADu7OEKAAAAACgAAAAoAAAAZAAAAGQAAAAAAAAAzMzMAAAAAABQAAAAUAAAAGQAAABkAAAAAAAAABcAAAAUAAAAAAAAAAAAAAD/fwAA/38AAAAAAAAJAAAABAAAAEAnAAAMAAAAEAAAAAAAAAAAAAAAAAAAAAAAAAAeAAAAaAAAAAAAAAAAAAAAAAAAAAAAAAAAAAAAECcAABAnAAAAAAAAAAAAAAAAAAAAAAAAAAAAAAAAAAAAAAAAAAAAABQAAAAAAAAAwMD/AAAAAABkAAAAMgAAAAAAAABkAAAAAAAAAH9/fwAKAAAAHwAAAFQAAAD///8A////AQAAAAAAAAAAAAAAAAAAAAAAAAAAAAAAAAAAAAAAAAAAAAAAAH9/fwDu7OEDzMzMAMDA/wB/f38AAAAAAAAAAAAAAAAAAAAAAAAAAAAhAAAAGAAAABQAAADQSAAAGDkAABZOAACYOgAAEAAAACYAAAAIAAAAAAAAAAAAAAA="/>
+                <pr:smNativeData xmlns:pr="smNativeData" xmlns:p14="http://schemas.microsoft.com/office/powerpoint/2010/main" xmlns="" val="SMDATA_13_eIVQYBMAAAAlAAAAZAAAAA0AAAAAAAAAAAAAAAAAAAAAAAAAAAAAAAAAAAAAAAAAAAEAAABQAAAAAAAAAAAA4D8AAAAAAADgPwAAAAAAAOA/AAAAAAAA4D8AAAAAAADgPwAAAAAAAOA/AAAAAAAA4D8AAAAAAADgPwAAAAAAAOA/AAAAAAAA4D8CAAAAjAAAAAAAAAAAAAAA////AP///wgAAAAAAAAAAAAAAAAAAAAAAAAAAAAAAAAAAAAAeAAAAAEAAABAAAAAAAAAAAAAAABaAAAAAAAAAAAAAAAAAAAAAAAAAAAAAAAAAAAAAAAAAAAAAAAAAAAAAAAAAAAAAAAAAAAAAAAAAAAAAAAAAAAAAAAAAAAAAAAAAAAAFAAAADwAAAAAAAAAAAAAAAAAAAAPAAAAAQAAACMAAAAjAAAAIwAAAB4AAAAAAAAAZAAAAGQAAAAAAAAAZAAAAGQAAAAVAAAAYAAAAAAAAAAAAAAADwAAACADAAAAAAAAAAAAAAEAAACgMgAAVgcAAKr4//8BAAAAf39/AAEAAABkAAAAAAAAABQAAABAHwAAAAAAACYAAAAAAAAAwOD//wAAAAAmAAAAZAAAABYAAABMAAAAAAAAAAAAAAAEAAAAAAAAAAEAAADu7OEKAAAAACgAAAAoAAAAZAAAAGQAAAAAAAAAzMzMAAAAAABQAAAAUAAAAGQAAABkAAAAAAAAABcAAAAUAAAAAAAAAAAAAAD/fwAA/38AAAAAAAAJAAAABAAAAAAAAAAMAAAAEAAAAAAAAAAAAAAAAAAAAAAAAAAeAAAAaAAAAAAAAAAAAAAAAAAAAAAAAAAAAAAAECcAABAnAAAAAAAAAAAAAAAAAAAAAAAAAAAAAAAAAAAAAAAAAAAAABQAAAAAAAAAwMD/AAAAAABkAAAAMgAAAAAAAABkAAAAAAAAAH9/fwAKAAAAHwAAAFQAAAD///8A////AQAAAAAAAAAAAAAAAAAAAAAAAAAAAAAAAAAAAAAAAAAAAAAAAH9/fwDu7OEDzMzMAMDA/wB/f38AAAAAAAAAAAAAAAAAAAAAAAAAAAAhAAAAGAAAABQAAADQSAAAGDkAABZOAACYOgAAEAAAACYAAAAIAAAAAAAAAAAAAAA="/>
               </a:ext>
             </a:extLst>
           </p:cNvSpPr>
@@ -7388,9 +7562,38 @@
             <a:pPr>
               <a:defRPr lang="de-de"/>
             </a:pPr>
-            <a:fld id="{24701EE2-ACC9-25E8-87C8-5ABD5086710F}" type="slidenum">
-              <a:t>2</a:t>
+            <a:fld id="{09EA7373-3DE4-BF85-AA52-CBD03D1C5C9E}" type="slidenum">
+              <a:rPr lang="en-gb"/>
+              <a:t>3</a:t>
             </a:fld>
+            <a:endParaRPr lang="en-gb"/>
+          </a:p>
+        </p:txBody>
+      </p:sp>
+      <p:sp>
+        <p:nvSpPr>
+          <p:cNvPr id="6" name="Content Placeholder 5"/>
+          <p:cNvSpPr>
+            <a:spLocks noGrp="1" noChangeArrowheads="1"/>
+            <a:extLst>
+              <a:ext uri="smNativeData">
+                <pr:smNativeData xmlns:pr="smNativeData" xmlns:p14="http://schemas.microsoft.com/office/powerpoint/2010/main" xmlns="" val="SMDATA_13_eIVQYBMAAAAlAAAAZAAAAA0AAAAAAAAAAAAAAAAAAAAAAAAAAAAAAAAAAAAAAAAAAAEAAABQAAAAAAAAAAAA4D8AAAAAAADgPwAAAAAAAOA/AAAAAAAA4D8AAAAAAADgPwAAAAAAAOA/AAAAAAAA4D8AAAAAAADgPwAAAAAAAOA/AAAAAAAA4D8CAAAAjAAAAAAAAAAAAAAA////AP///wgAAAAAAAAAAAAAAAAAAAAAAAAAAAAAAAAAAAAAeAAAAAEAAABAAAAAAAAAAAAAAABaAAAAAAAAAAAAAAAAAAAAAAAAAAAAAAAAAAAAAAAAAAAAAAAAAAAAAAAAAAAAAAAAAAAAAAAAAAAAAAAAAAAAAAAAAAAAAAAAAAAAFAAAADwAAAAAAAAAAAAAAAAAAAAPAAAAAQAAACMAAAAjAAAAIwAAAB4AAAAAAAAAZAAAAGQAAAAAAAAAZAAAAGQAAAAVAAAAYAAAAAAAAAAAAAAADwAAACADAAAAAAAAAAAAAAEAAACgMgAAVgcAAKr4//8BAAAAf39/AAEAAABkAAAAAAAAABQAAABAHwAAAAAAACYAAAAAAAAAwOD//wAAAAAmAAAAZAAAABYAAABMAAAAAAAAAAAAAAAEAAAAAAAAAAEAAADu7OEKAAAAACgAAAAoAAAAZAAAAGQAAAAAAAAAzMzMAAAAAABQAAAAUAAAAGQAAABkAAAAAAAAABcAAAAUAAAAAAAAAAAAAAD/fwAA/38AAAAAAAAJAAAABAAAAAQEAAAMAAAAEAAAAAAAAAAAAAAAAAAAAAAAAAAeAAAAaAAAAAAAAAAAAAAAAAAAAAAAAAAAAAAAECcAABAnAAAAAAAAAAAAAAAAAAAAAAAAAAAAAAAAAAAAAAAAAAAAABQAAAAAAAAAwMD/AAAAAABkAAAAMgAAAAAAAABkAAAAAAAAAH9/fwAKAAAAHwAAAFQAAAD///8A////AQAAAAAAAAAAAAAAAAAAAAAAAAAAAAAAAAAAAAAAAAAAAAAAAH9/fwDu7OEDzMzMAMDA/wB/f38AAAAAAAAAAAAAAAAAAAAAAAAAAAAhAAAAGAAAABQAAADIBQAAXTYAAMcoAACANwAAEAAAACYAAAAIAAAAAAAAAAAAAAA="/>
+              </a:ext>
+            </a:extLst>
+          </p:cNvSpPr>
+          <p:nvPr>
+            <p:ph type="body" idx="10"/>
+          </p:nvPr>
+        </p:nvSpPr>
+        <p:spPr/>
+        <p:txBody>
+          <a:bodyPr/>
+          <a:lstStyle/>
+          <a:p>
+            <a:pPr>
+              <a:defRPr lang="en-gb"/>
+            </a:pPr>
+            <a:endParaRPr dirty="0"/>
           </a:p>
         </p:txBody>
       </p:sp>
@@ -7399,26 +7602,11 @@
   <p:clrMapOvr>
     <a:masterClrMapping/>
   </p:clrMapOvr>
-  <p:transition spd="slow" p14:dur="1800">
-    <p:fade/>
-    <p:extLst>
-      <p:ext uri="smNativeData">
-        <pr:smNativeData xmlns:pr="smNativeData" val="eIVQYAAAAAAIBwAAAAAAAAYAAAAAAAAAAAAAAAAAAAAAAAAAAQAAAAAAAAAAAAAAAAAAAAAAAAAAAAAA"/>
-      </p:ext>
-    </p:extLst>
-  </p:transition>
-  <p:timing>
-    <p:tnLst>
-      <p:par>
-        <p:cTn id="1" dur="indefinite" restart="never" nodeType="tmRoot"/>
-      </p:par>
-    </p:tnLst>
-  </p:timing>
 </p:sld>
 </file>
 
-<file path=ppt/slides/slide3.xml><?xml version="1.0" encoding="utf-8"?>
-<p:sld xmlns:p="http://schemas.openxmlformats.org/presentationml/2006/main" xmlns:p14="http://schemas.microsoft.com/office/powerpoint/2010/main" xmlns:r="http://schemas.openxmlformats.org/officeDocument/2006/relationships" xmlns:a="http://schemas.openxmlformats.org/drawingml/2006/main">
+<file path=ppt/slides/slide4.xml><?xml version="1.0" encoding="utf-8"?>
+<p:sld xmlns:a="http://schemas.openxmlformats.org/drawingml/2006/main" xmlns:r="http://schemas.openxmlformats.org/officeDocument/2006/relationships" xmlns:p="http://schemas.openxmlformats.org/presentationml/2006/main">
   <p:cSld>
     <p:spTree>
       <p:nvGrpSpPr>
@@ -7436,12 +7624,12 @@
       </p:grpSpPr>
       <p:sp>
         <p:nvSpPr>
-          <p:cNvPr id="2" name="Title 1"/>
+          <p:cNvPr id="2" name="Titre 1"/>
           <p:cNvSpPr>
             <a:spLocks noGrp="1" noChangeArrowheads="1"/>
             <a:extLst>
               <a:ext uri="smNativeData">
-                <pr:smNativeData xmlns:pr="smNativeData" val="SMDATA_13_eIVQYBMAAAAlAAAAZAAAAA0AAAAAAAAAAAAAAAAAAAAAAAAAAAAAAAAAAAAAAAAAAAEAAABQAAAAAAAAAAAA4D8AAAAAAADgPwAAAAAAAOA/AAAAAAAA4D8AAAAAAADgPwAAAAAAAOA/AAAAAAAA4D8AAAAAAADgPwAAAAAAAOA/AAAAAAAA4D8CAAAAjAAAAAAAAAAAAAAA////AP///wgAAAAAAAAAAAAAAAAAAAAAAAAAAAAAAAAAAAAAeAAAAAEAAABAAAAAAAAAAAAAAABaAAAAAAAAAAAAAAAAAAAAAAAAAAAAAAAAAAAAAAAAAAAAAAAAAAAAAAAAAAAAAAAAAAAAAAAAAAAAAAAAAAAAAAAAAAAAAAAAAAAAFAAAADwAAAAAAAAAAAAAAAAAAAAPAAAAAQAAACMAAAAjAAAAIwAAAB4AAAAAAAAAZAAAAGQAAAAAAAAAZAAAAGQAAAAVAAAAYAAAAAAAAAAAAAAADwAAACADAAAAAAAAAAAAAAEAAACgMgAAVgcAAKr4//8BAAAAf39/AAEAAABkAAAAAAAAABQAAABAHwAAAAAAACYAAAAAAAAAwOD//wAAAAAmAAAAZAAAABYAAABMAAAAAAAAAAAAAAAEAAAAAAAAAAEAAADu7OEKAAAAACgAAAAoAAAAZAAAAGQAAAAAAAAAzMzMAAAAAABQAAAAUAAAAGQAAABkAAAAAAAAABcAAAAUAAAAAAAAAAAAAAD/fwAA/38AAAAAAAAJAAAABAAAAAAAAQAMAAAAEAAAAAAAAAAAAAAAAAAAAAAAAAAeAAAAaAAAAAAAAAAAAAAAAAAAAAAAAAAAAAAAECcAABAnAAAAAAAAAAAAAAAAAAAAAAAAAAAAAAAAAAAAAAAAAAAAABQAAAAAAAAAwMD/AAAAAABkAAAAMgAAAAAAAABkAAAAAAAAAH9/fwAKAAAAHwAAAFQAAAD///8A////AQAAAAAAAAAAAAAAAAAAAAAAAAAAAAAAAAAAAAAAAAAAAAAAAH9/fwDu7OEDzMzMAMDA/wB/f38AAAAAAAAAAAAAAAAAAAAAAAAAAAAhAAAAGAAAABQAAADIBQAAiQsAAHpIAACzDwAAEAAAACYAAAAIAAAAAAAAAAAAAAA="/>
+                <pr:smNativeData xmlns:pr="smNativeData" xmlns:p14="http://schemas.microsoft.com/office/powerpoint/2010/main" xmlns="" val="SMDATA_13_eIVQYBMAAAAlAAAAZAAAAA0AAAAAAAAAAAAAAAAAAAAAAAAAAAAAAAAAAAAAAAAAAAEAAABQAAAAAAAAAAAA4D8AAAAAAADgPwAAAAAAAOA/AAAAAAAA4D8AAAAAAADgPwAAAAAAAOA/AAAAAAAA4D8AAAAAAADgPwAAAAAAAOA/AAAAAAAA4D8CAAAAjAAAAAAAAAAAAAAA////AP///wgAAAAAAAAAAAAAAAAAAAAAAAAAAAAAAAAAAAAAeAAAAAEAAABAAAAAAAAAAAAAAABaAAAAAAAAAAAAAAAAAAAAAAAAAAAAAAAAAAAAAAAAAAAAAAAAAAAAAAAAAAAAAAAAAAAAAAAAAAAAAAAAAAAAAAAAAAAAAAAAAAAAFAAAADwAAAAAAAAAAAAAAAAAAAAPAAAAAQAAACMAAAAjAAAAIwAAAB4AAAAAAAAAZAAAAGQAAAAAAAAAZAAAAGQAAAAVAAAAYAAAAAAAAAAAAAAADwAAACADAAAAAAAAAAAAAAEAAACgMgAAVgcAAKr4//8BAAAAf39/AAEAAABkAAAAAAAAABQAAABAHwAAAAAAACYAAAAAAAAAwOD//wAAAAAmAAAAZAAAABYAAABMAAAAAAAAAAAAAAAEAAAAAAAAAAEAAADu7OEKAAAAACgAAAAoAAAAZAAAAGQAAAAAAAAAzMzMAAAAAABQAAAAUAAAAGQAAABkAAAAAAAAABcAAAAUAAAAAAAAAAAAAAD/fwAA/38AAAAAAAAJAAAABAAAAAAAAAAMAAAAEAAAAAAAAAAAAAAAAAAAAAAAAAAeAAAAaAAAAAAAAAAAAAAAAAAAAAAAAAAAAAAAECcAABAnAAAAAAAAAAAAAAAAAAAAAAAAAAAAAAAAAAAAAAAAAAAAABQAAAAAAAAAwMD/AAAAAABkAAAAMgAAAAAAAABkAAAAAAAAAH9/fwAKAAAAHwAAAFQAAAD///8A////AQAAAAAAAAAAAAAAAAAAAAAAAAAAAAAAAAAAAAAAAAAAAAAAAH9/fwDu7OEDzMzMAMDA/wB/f38AAAAAAAAAAAAAAAAAAAAAAAAAAAAhAAAAGAAAABQAAADIBQAAiQsAAHpIAACpDwAAEAAAACYAAAAIAAAAAQAAAAAAAAA="/>
               </a:ext>
             </a:extLst>
           </p:cNvSpPr>
@@ -7449,30 +7637,33 @@
             <p:ph type="title"/>
           </p:nvPr>
         </p:nvSpPr>
-        <p:spPr/>
+        <p:spPr>
+          <a:xfrm>
+            <a:off x="939800" y="1875155"/>
+            <a:ext cx="10841990" cy="670560"/>
+          </a:xfrm>
+        </p:spPr>
         <p:txBody>
           <a:bodyPr/>
           <a:lstStyle/>
           <a:p>
             <a:pPr>
-              <a:defRPr lang="de-de"/>
-            </a:pPr>
-            <a:r>
-              <a:rPr lang="en-us"/>
-              <a:t>Introduction</a:t>
-            </a:r>
-            <a:endParaRPr lang="en-gb"/>
-          </a:p>
-        </p:txBody>
-      </p:sp>
-      <p:sp>
-        <p:nvSpPr>
-          <p:cNvPr id="3" name="Content Placeholder 2"/>
+              <a:defRPr lang="en-gb"/>
+            </a:pPr>
+            <a:r>
+              <a:t>Foundations – Smartwatches</a:t>
+            </a:r>
+          </a:p>
+        </p:txBody>
+      </p:sp>
+      <p:sp>
+        <p:nvSpPr>
+          <p:cNvPr id="3" name="Espace réservé du texte 2"/>
           <p:cNvSpPr>
             <a:spLocks noGrp="1" noChangeArrowheads="1"/>
             <a:extLst>
               <a:ext uri="smNativeData">
-                <pr:smNativeData xmlns:pr="smNativeData" val="SMDATA_13_eIVQYBMAAAAlAAAAZAAAAA0AAAAAAAAAAAAAAAAAAAAAAAAAAAAAAAAAAAAAAAAAAAEAAABQAAAAAAAAAAAA4D8AAAAAAADgPwAAAAAAAOA/AAAAAAAA4D8AAAAAAADgPwAAAAAAAOA/AAAAAAAA4D8AAAAAAADgPwAAAAAAAOA/AAAAAAAA4D8CAAAAjAAAAAAAAAAAAAAA////AP///wgAAAAAAAAAAAAAAAAAAAAAAAAAAAAAAAAAAAAAeAAAAAEAAABAAAAAAAAAAAAAAABaAAAAAAAAAAAAAAAAAAAAAAAAAAAAAAAAAAAAAAAAAAAAAAAAAAAAAAAAAAAAAAAAAAAAAAAAAAAAAAAAAAAAAAAAAAAAAAAAAAAAFAAAADwAAAAAAAAAAAAAAAAAAAAPAAAAAQAAACMAAAAjAAAAIwAAAB4AAAAAAAAAZAAAAGQAAAAAAAAAZAAAAGQAAAAVAAAAYAAAAAAAAAAAAAAADwAAACADAAAAAAAAAAAAAAEAAACgMgAAVgcAAKr4//8BAAAAf39/AAEAAABkAAAAAAAAABQAAABAHwAAAAAAACYAAAAAAAAAwOD//wAAAAAmAAAAZAAAABYAAABMAAAAAAAAAAAAAAAEAAAAAAAAAAEAAADu7OEKAAAAACgAAAAoAAAAZAAAAGQAAAAAAAAAzMzMAAAAAABQAAAAUAAAAGQAAABkAAAAAAAAABcAAAAUAAAAAAAAAAAAAAD/fwAA/38AAAAAAAAJAAAABAAAAAAAAAAMAAAAEAAAAAAAAAAAAAAAAAAAAAAAAAAeAAAAaAAAAAAAAAAAAAAAAAAAAAAAAAAAAAAAECcAABAnAAAAAAAAAAAAAAAAAAAAAAAAAAAAAAAAAAAAAAAAAAAAABQAAAAAAAAAwMD/AAAAAABkAAAAMgAAAAAAAABkAAAAAAAAAH9/fwAKAAAAHwAAAFQAAAD///8A////AQAAAAAAAAAAAAAAAAAAAAAAAAAAAAAAAAAAAAAAAAAAAAAAAH9/fwDu7OEDzMzMAMDA/wB/f38AAAAAAAAAAAAAAAAAAAAAAAAAAAAhAAAAGAAAABQAAADIBQAAwBIAAHpIAAD/MAAAEAAAACYAAAAIAAAAAYAAAAAAAAA="/>
+                <pr:smNativeData xmlns:pr="smNativeData" xmlns:p14="http://schemas.microsoft.com/office/powerpoint/2010/main" xmlns="" val="SMDATA_13_eIVQYBMAAAAlAAAAZAAAAA0AAAAAAAAAAAAAAAAAAAAAAAAAAAAAAAAAAAAAAAAAAAEAAABQAAAAAAAAAAAA4D8AAAAAAADgPwAAAAAAAOA/AAAAAAAA4D8AAAAAAADgPwAAAAAAAOA/AAAAAAAA4D8AAAAAAADgPwAAAAAAAOA/AAAAAAAA4D8CAAAAjAAAAAAAAAAAAAAA////AP///wgAAAAAAAAAAAAAAAAAAAAAAAAAAAAAAAAAAAAAeAAAAAEAAABAAAAAAAAAAAAAAABaAAAAAAAAAAAAAAAAAAAAAAAAAAAAAAAAAAAAAAAAAAAAAAAAAAAAAAAAAAAAAAAAAAAAAAAAAAAAAAAAAAAAAAAAAAAAAAAAAAAAFAAAADwAAAAAAAAAAAAAAAAAAAAPAAAAAQAAACMAAAAjAAAAIwAAAB4AAAAAAAAAZAAAAGQAAAAAAAAAZAAAAGQAAAAVAAAAYAAAAAAAAAAAAAAADwAAACADAAAAAAAAAAAAAAEAAACgMgAAVgcAAKr4//8BAAAAf39/AAEAAABkAAAAAAAAABQAAABAHwAAAAAAACYAAAAAAAAAwOD//wAAAAAmAAAAZAAAABYAAABMAAAAAAAAAAAAAAAEAAAAAAAAAAEAAADu7OEKAAAAACgAAAAoAAAAZAAAAGQAAAAAAAAAzMzMAAAAAABQAAAAUAAAAGQAAABkAAAAAAAAABcAAAAUAAAAAAAAAAAAAAD/fwAA/38AAAAAAAAJAAAABAAAAAAAAAAMAAAAEAAAAAAAAAAAAAAAAAAAAAAAAAAeAAAAaAAAAAAAAAAAAAAAAAAAAAAAAAAAAAAAECcAABAnAAAAAAAAAAAAAAAAAAAAAAAAAAAAAAAAAAAAAAAAAAAAABQAAAAAAAAAwMD/AAAAAABkAAAAMgAAAAAAAABkAAAAAAAAAH9/fwAKAAAAHwAAAFQAAAD///8A////AQAAAAAAAAAAAAAAAAAAAAAAAAAAAAAAAAAAAAAAAAAAAAAAAH9/fwDu7OEDzMzMAMDA/wB/f38AAAAAAAAAAAAAAAAAAAAAAAAAAAAhAAAAGAAAABQAAADJBQAAwRIAAHtIAADDMgAAAAAAACYAAAAIAAAAAYAAAAAAAAA="/>
               </a:ext>
             </a:extLst>
           </p:cNvSpPr>
@@ -7482,8 +7673,8 @@
         </p:nvSpPr>
         <p:spPr>
           <a:xfrm>
-            <a:off x="939800" y="3048000"/>
-            <a:ext cx="10841990" cy="4916805"/>
+            <a:off x="940435" y="3048635"/>
+            <a:ext cx="10841990" cy="5203190"/>
           </a:xfrm>
         </p:spPr>
         <p:txBody>
@@ -7500,7 +7691,7 @@
                 <a:schemeClr val="accent1"/>
               </a:buClr>
               <a:buSzPts val="2910"/>
-              <a:buFont typeface="Wingdings" pitchFamily="0" charset="0"/>
+              <a:buFont typeface="Wingdings" charset="0"/>
               <a:buChar char="§"/>
               <a:tabLst/>
               <a:defRPr lang="de-de" sz="2800" b="0" i="0" baseline="0">
@@ -7531,7 +7722,7 @@
               <a:lnSpc>
                 <a:spcPct val="150000"/>
               </a:lnSpc>
-              <a:buFont typeface="Wingdings" pitchFamily="0" charset="0"/>
+              <a:buFont typeface="Wingdings" charset="0"/>
               <a:buChar char="§"/>
               <a:defRPr lang="de-de" sz="2000" b="0" i="0" baseline="0">
                 <a:solidFill>
@@ -7566,91 +7757,109 @@
               <a:defRPr lang="de-de"/>
             </a:pPr>
             <a:r>
-              <a:rPr lang="en-us"/>
-              <a:t>Privacy-paradox</a:t>
-            </a:r>
-            <a:endParaRPr lang="en-us"/>
-          </a:p>
-          <a:p>
-            <a:pPr>
-              <a:defRPr lang="de-de"/>
-            </a:pPr>
-            <a:r>
-              <a:rPr lang="en-us"/>
-              <a:t>Main goal of our work</a:t>
-            </a:r>
-            <a:endParaRPr lang="en-us"/>
-          </a:p>
-          <a:p>
-            <a:pPr>
-              <a:defRPr lang="de-de"/>
-            </a:pPr>
-            <a:r>
-              <a:rPr lang="en-us"/>
-              <a:t>Questions to be answered</a:t>
-            </a:r>
-            <a:endParaRPr lang="en-us"/>
-          </a:p>
-          <a:p>
-            <a:pPr>
-              <a:defRPr lang="de-de"/>
-            </a:pPr>
-            <a:r>
-              <a:rPr lang="en-us"/>
-              <a:t>Our solution – briefly:</a:t>
-            </a:r>
-            <a:endParaRPr lang="en-us"/>
+              <a:rPr lang="en-us" dirty="0"/>
+              <a:t>What is a smartwatch ?</a:t>
+            </a:r>
+          </a:p>
+          <a:p>
+            <a:pPr>
+              <a:defRPr lang="de-de"/>
+            </a:pPr>
+            <a:r>
+              <a:rPr lang="en-us" dirty="0"/>
+              <a:t>Features</a:t>
+            </a:r>
           </a:p>
           <a:p>
             <a:pPr lvl="1">
               <a:defRPr lang="de-de"/>
             </a:pPr>
             <a:r>
-              <a:rPr lang="en-us"/>
-              <a:t>Feedback types</a:t>
-            </a:r>
-            <a:endParaRPr lang="en-us"/>
-          </a:p>
-          <a:p>
-            <a:pPr lvl="2">
-              <a:defRPr lang="de-de"/>
-            </a:pPr>
-            <a:r>
-              <a:rPr lang="en-us"/>
-              <a:t>Ring</a:t>
-            </a:r>
-            <a:endParaRPr lang="en-us"/>
-          </a:p>
-          <a:p>
-            <a:pPr lvl="2">
-              <a:defRPr lang="de-de"/>
-            </a:pPr>
-            <a:r>
-              <a:rPr lang="en-us"/>
-              <a:t>Icon</a:t>
-            </a:r>
-            <a:endParaRPr lang="en-us"/>
-          </a:p>
-          <a:p>
-            <a:pPr lvl="2">
-              <a:defRPr lang="de-de"/>
-            </a:pPr>
-            <a:r>
-              <a:rPr lang="en-us"/>
-              <a:t>Notification</a:t>
-            </a:r>
-            <a:endParaRPr lang="en-gb"/>
-          </a:p>
-        </p:txBody>
-      </p:sp>
-      <p:sp>
-        <p:nvSpPr>
-          <p:cNvPr id="4" name="Date Placeholder 3"/>
+              <a:rPr lang="en-us" dirty="0"/>
+              <a:t>Have </a:t>
+            </a:r>
+            <a:r>
+              <a:rPr lang="en-us" dirty="0" err="1"/>
+              <a:t>WiFi</a:t>
+            </a:r>
+            <a:r>
+              <a:rPr lang="en-us" dirty="0"/>
+              <a:t>/Bluetooth connectivity</a:t>
+            </a:r>
+          </a:p>
+          <a:p>
+            <a:pPr lvl="1">
+              <a:defRPr lang="de-de"/>
+            </a:pPr>
+            <a:r>
+              <a:rPr lang="en-us" dirty="0"/>
+              <a:t>Support mobile applications</a:t>
+            </a:r>
+          </a:p>
+          <a:p>
+            <a:pPr lvl="1">
+              <a:defRPr lang="de-de"/>
+            </a:pPr>
+            <a:r>
+              <a:rPr lang="en-us" dirty="0"/>
+              <a:t>Have their own operating system</a:t>
+            </a:r>
+          </a:p>
+          <a:p>
+            <a:pPr lvl="1">
+              <a:defRPr lang="de-de"/>
+            </a:pPr>
+            <a:r>
+              <a:rPr lang="en-us" dirty="0"/>
+              <a:t>Peripheral devices (sensors)</a:t>
+            </a:r>
+          </a:p>
+          <a:p>
+            <a:pPr>
+              <a:defRPr lang="de-de"/>
+            </a:pPr>
+            <a:r>
+              <a:rPr dirty="0"/>
+              <a:t>Our research: Samsung Galaxy Watch 3</a:t>
+            </a:r>
+          </a:p>
+          <a:p>
+            <a:pPr>
+              <a:defRPr lang="de-de"/>
+            </a:pPr>
+            <a:r>
+              <a:rPr dirty="0"/>
+              <a:t>Uses Tizen OS</a:t>
+            </a:r>
+          </a:p>
+          <a:p>
+            <a:pPr>
+              <a:defRPr lang="de-de"/>
+            </a:pPr>
+            <a:endParaRPr dirty="0"/>
+          </a:p>
+          <a:p>
+            <a:pPr lvl="1">
+              <a:defRPr lang="de-de"/>
+            </a:pPr>
+            <a:endParaRPr dirty="0"/>
+          </a:p>
+          <a:p>
+            <a:pPr>
+              <a:defRPr lang="de-de"/>
+            </a:pPr>
+            <a:endParaRPr lang="en-gb" dirty="0"/>
+          </a:p>
+        </p:txBody>
+      </p:sp>
+      <p:sp>
+        <p:nvSpPr>
+          <p:cNvPr id="4" name="Espace réservé de la date 4"/>
           <p:cNvSpPr>
             <a:spLocks noGrp="1" noChangeArrowheads="1"/>
             <a:extLst>
               <a:ext uri="smNativeData">
-                <pr:smNativeData xmlns:pr="smNativeData" val="SMDATA_13_eIVQYBMAAAAlAAAAZAAAAA0AAAAAAAAAAAAAAAAAAAAAAAAAAAAAAAAAAAAAAAAAAAEAAABQAAAAAAAAAAAA4D8AAAAAAADgPwAAAAAAAOA/AAAAAAAA4D8AAAAAAADgPwAAAAAAAOA/AAAAAAAA4D8AAAAAAADgPwAAAAAAAOA/AAAAAAAA4D8CAAAAjAAAAAAAAAAAAAAA////AP///wgAAAAAAAAAAAAAAAAAAAAAAAAAAAAAAAAAAAAAeAAAAAEAAABAAAAAAAAAAAAAAABaAAAAAAAAAAAAAAAAAAAAAAAAAAAAAAAAAAAAAAAAAAAAAAAAAAAAAAAAAAAAAAAAAAAAAAAAAAAAAAAAAAAAAAAAAAAAAAAAAAAAFAAAADwAAAAAAAAAAAAAAAAAAAAPAAAAAQAAACMAAAAjAAAAIwAAAB4AAAAAAAAAZAAAAGQAAAAAAAAAZAAAAGQAAAAVAAAAYAAAAAAAAAAAAAAADwAAACADAAAAAAAAAAAAAAEAAACgMgAAVgcAAKr4//8BAAAAf39/AAEAAABkAAAAAAAAABQAAABAHwAAAAAAACYAAAAAAAAAwOD//wAAAAAmAAAAZAAAABYAAABMAAAAAAAAAAAAAAAEAAAAAAAAAAEAAADu7OEKAAAAACgAAAAoAAAAZAAAAGQAAAAAAAAAzMzMAAAAAABQAAAAUAAAAGQAAABkAAAAAAAAABcAAAAUAAAAAAAAAAAAAAD/fwAA/38AAAAAAAAJAAAABAAAACEcAAAMAAAAEAAAAAAAAAAAAAAAAAAAAAAAAAAeAAAAaAAAAAAAAAAAAAAAAAAAAAAAAAAAAAAAECcAABAnAAAAAAAAAAAAAAAAAAAAAAAAAAAAAAAAAAAAAAAAAAAAABQAAAAAAAAAwMD/AAAAAABkAAAAMgAAAAAAAABkAAAAAAAAAH9/fwAKAAAAHwAAAFQAAAD///8A////AQAAAAAAAAAAAAAAAAAAAAAAAAAAAAAAAAAAAAAAAAAAAAAAAH9/fwDu7OEDzMzMAMDA/wB/f38AAAAAAAAAAAAAAAAAAAAAAAAAAAAhAAAAGAAAABQAAADqAQAA4DgAAPAKAACYOgAAEAAAACYAAAAIAAAAAAAAAAAAAAA="/>
+                <pr:smNativeData xmlns:pr="smNativeData" xmlns:p14="http://schemas.microsoft.com/office/powerpoint/2010/main" xmlns="" val="SMDATA_13_eIVQYBMAAAAlAAAAZAAAAA0AAAAAAAAAAAAAAAAAAAAAAAAAAAAAAAAAAAAAAAAAAAEAAABQAAAAAAAAAAAA4D8AAAAAAADgPwAAAAAAAOA/AAAAAAAA4D8AAAAAAADgPwAAAAAAAOA/AAAAAAAA4D8AAAAAAADgPwAAAAAAAOA/AAAAAAAA4D8CAAAAjAAAAAAAAAAAAAAA////AP///wgAAAAAAAAAAAAAAAAAAAAAAAAAAAAAAAAAAAAAeAAAAAEAAABAAAAAAAAAAAAAAABaAAAAAAAAAAAAAAAAAAAAAAAAAAAAAAAAAAAAAAAAAAAAAAAAAAAAAAAAAAAAAAAAAAAAAAAAAAAAAAAAAAAAAAAAAAAAAAAAAAAAFAAAADwAAAAAAAAAAAAAAAAAAAAPAAAAAQAAACMAAAAjAAAAIwAAAB4AAAAAAAAAZAAAAGQAAAAAAAAAZAAAAGQAAAAVAAAAYAAAAAAAAAAAAAAADwAAACADAAAAAAAAAAAAAAEAAACgMgAAVgcAAKr4//8BAAAAf39/AAEAAABkAAAAAAAAABQAAABAHwAAAAAAACYAAAAAAAAAwOD//wAAAAAmAAAAZAAAABYAAABMAAAAAAAAAAAAAAAEAAAAAAAAAAEAAADu7OEKAAAAACgAAAAoAAAAZAAAAGQAAAAAAAAAzMzMAAAAAABQAAAAUAAAAGQAAABkAAAAAAAAABcAAAAUAAAAAAAAAAAAAAD/fwAA/38AAAAAAAAJAAAABAAAAAAAAAAMAAAAEAAAAAAAAAAAAAAAAAAAAAAAAAAeAAAAaAAAAAAAAAAAAAAAAAAAAAAAAAAAAAAAECcAABAnAAAAAAAAAAAAAAAAAAAAAAAAAAAAAAAAAAAAAAAAAAAAABQAAAAAAAAAwMD/AAAAAABkAAAAMgAAAAAAAABkAAAAAAAAAH9/fwAKAAAAHwAAAFQAAAD///8A////AQAAAAAAAAAAAAAAAAAAAAAAAAAAAAAAAAAAAAAAAAAAAAAAAH9/fwDu7OEDzMzMAMDA/wB/f38AAAAAAAAAAAAAAAAAAAAAAAAAAAAhAAAAGAAAABQAAADqAQAA4DgAAPAKAACYOgAAEAAAACYAAAAIAAAAAAAAAAAAAAA="/>
               </a:ext>
             </a:extLst>
           </p:cNvSpPr>
@@ -7667,21 +7876,19 @@
               <a:defRPr lang="de-de"/>
             </a:pPr>
             <a:r>
-              <a:rPr lang="en-us"/>
-              <a:t>25.03.2021</a:t>
-            </a:r>
-            <a:endParaRPr lang="en-us"/>
-          </a:p>
-        </p:txBody>
-      </p:sp>
-      <p:sp>
-        <p:nvSpPr>
-          <p:cNvPr id="5" name="Slide Number Placeholder 4"/>
+              <a:t>26.03.2021</a:t>
+            </a:r>
+          </a:p>
+        </p:txBody>
+      </p:sp>
+      <p:sp>
+        <p:nvSpPr>
+          <p:cNvPr id="5" name="Espace réservé du numéro de diapositive 5"/>
           <p:cNvSpPr>
             <a:spLocks noGrp="1" noChangeArrowheads="1"/>
             <a:extLst>
               <a:ext uri="smNativeData">
-                <pr:smNativeData xmlns:pr="smNativeData" val="SMDATA_13_eIVQYBMAAAAlAAAAZAAAAA0AAAAAAAAAAAAAAAAAAAAAAAAAAAAAAAAAAAAAAAAAAAEAAABQAAAAAAAAAAAA4D8AAAAAAADgPwAAAAAAAOA/AAAAAAAA4D8AAAAAAADgPwAAAAAAAOA/AAAAAAAA4D8AAAAAAADgPwAAAAAAAOA/AAAAAAAA4D8CAAAAjAAAAAAAAAAAAAAA////AP///wgAAAAAAAAAAAAAAAAAAAAAAAAAAAAAAAAAAAAAeAAAAAEAAABAAAAAAAAAAAAAAABaAAAAAAAAAAAAAAAAAAAAAAAAAAAAAAAAAAAAAAAAAAAAAAAAAAAAAAAAAAAAAAAAAAAAAAAAAAAAAAAAAAAAAAAAAAAAAAAAAAAAFAAAADwAAAAAAAAAAAAAAAAAAAAPAAAAAQAAACMAAAAjAAAAIwAAAB4AAAAAAAAAZAAAAGQAAAAAAAAAZAAAAGQAAAAVAAAAYAAAAAAAAAAAAAAADwAAACADAAAAAAAAAAAAAAEAAACgMgAAVgcAAKr4//8BAAAAf39/AAEAAABkAAAAAAAAABQAAABAHwAAAAAAACYAAAAAAAAAwOD//wAAAAAmAAAAZAAAABYAAABMAAAAAAAAAAAAAAAEAAAAAAAAAAEAAADu7OEKAAAAACgAAAAoAAAAZAAAAGQAAAAAAAAAzMzMAAAAAABQAAAAUAAAAGQAAABkAAAAAAAAABcAAAAUAAAAAAAAAAAAAAD/fwAA/38AAAAAAAAJAAAABAAAAAAAAAAMAAAAEAAAAAAAAAAAAAAAAAAAAAAAAAAeAAAAaAAAAAAAAAAAAAAAAAAAAAAAAAAAAAAAECcAABAnAAAAAAAAAAAAAAAAAAAAAAAAAAAAAAAAAAAAAAAAAAAAABQAAAAAAAAAwMD/AAAAAABkAAAAMgAAAAAAAABkAAAAAAAAAH9/fwAKAAAAHwAAAFQAAAD///8A////AQAAAAAAAAAAAAAAAAAAAAAAAAAAAAAAAAAAAAAAAAAAAAAAAH9/fwDu7OEDzMzMAMDA/wB/f38AAAAAAAAAAAAAAAAAAAAAAAAAAAAhAAAAGAAAABQAAADQSAAAGDkAABZOAACYOgAAEAAAACYAAAAIAAAAAAAAAAAAAAA="/>
+                <pr:smNativeData xmlns:pr="smNativeData" xmlns:p14="http://schemas.microsoft.com/office/powerpoint/2010/main" xmlns="" val="SMDATA_13_eIVQYBMAAAAlAAAAZAAAAA0AAAAAAAAAAAAAAAAAAAAAAAAAAAAAAAAAAAAAAAAAAAEAAABQAAAAAAAAAAAA4D8AAAAAAADgPwAAAAAAAOA/AAAAAAAA4D8AAAAAAADgPwAAAAAAAOA/AAAAAAAA4D8AAAAAAADgPwAAAAAAAOA/AAAAAAAA4D8CAAAAjAAAAAAAAAAAAAAA////AP///wgAAAAAAAAAAAAAAAAAAAAAAAAAAAAAAAAAAAAAeAAAAAEAAABAAAAAAAAAAAAAAABaAAAAAAAAAAAAAAAAAAAAAAAAAAAAAAAAAAAAAAAAAAAAAAAAAAAAAAAAAAAAAAAAAAAAAAAAAAAAAAAAAAAAAAAAAAAAAAAAAAAAFAAAADwAAAAAAAAAAAAAAAAAAAAPAAAAAQAAACMAAAAjAAAAIwAAAB4AAAAAAAAAZAAAAGQAAAAAAAAAZAAAAGQAAAAVAAAAYAAAAAAAAAAAAAAADwAAACADAAAAAAAAAAAAAAEAAACgMgAAVgcAAKr4//8BAAAAf39/AAEAAABkAAAAAAAAABQAAABAHwAAAAAAACYAAAAAAAAAwOD//wAAAAAmAAAAZAAAABYAAABMAAAAAAAAAAAAAAAEAAAAAAAAAAEAAADu7OEKAAAAACgAAAAoAAAAZAAAAGQAAAAAAAAAzMzMAAAAAABQAAAAUAAAAGQAAABkAAAAAAAAABcAAAAUAAAAAAAAAAAAAAD/fwAA/38AAAAAAAAJAAAABAAAAAAAAAAMAAAAEAAAAAAAAAAAAAAAAAAAAAAAAAAeAAAAaAAAAAAAAAAAAAAAAAAAAAAAAAAAAAAAECcAABAnAAAAAAAAAAAAAAAAAAAAAAAAAAAAAAAAAAAAAAAAAAAAABQAAAAAAAAAwMD/AAAAAABkAAAAMgAAAAAAAABkAAAAAAAAAH9/fwAKAAAAHwAAAFQAAAD///8A////AQAAAAAAAAAAAAAAAAAAAAAAAAAAAAAAAAAAAAAAAAAAAAAAAH9/fwDu7OEDzMzMAMDA/wB/f38AAAAAAAAAAAAAAAAAAAAAAAAAAAAhAAAAGAAAABQAAADQSAAAGDkAABZOAACYOgAAEAAAACYAAAAIAAAAAAAAAAAAAAA="/>
               </a:ext>
             </a:extLst>
           </p:cNvSpPr>
@@ -7697,57 +7904,309 @@
             <a:pPr>
               <a:defRPr lang="de-de"/>
             </a:pPr>
-            <a:fld id="{09EA7373-3DE4-BF85-AA52-CBD03D1C5C9E}" type="slidenum">
-              <a:rPr lang="en-gb"/>
-              <a:t>3</a:t>
+            <a:fld id="{36AB98A1-EFDB-FE6E-9513-193BD65D634C}" type="slidenum">
+              <a:t>4</a:t>
             </a:fld>
-            <a:endParaRPr lang="en-gb"/>
-          </a:p>
-        </p:txBody>
-      </p:sp>
-      <p:sp>
-        <p:nvSpPr>
-          <p:cNvPr id="6" name="Content Placeholder 5"/>
-          <p:cNvSpPr>
-            <a:spLocks noGrp="1" noChangeArrowheads="1"/>
-            <a:extLst>
-              <a:ext uri="smNativeData">
-                <pr:smNativeData xmlns:pr="smNativeData" val="SMDATA_13_eIVQYBMAAAAlAAAAZAAAAA0AAAAAAAAAAAAAAAAAAAAAAAAAAAAAAAAAAAAAAAAAAAEAAABQAAAAAAAAAAAA4D8AAAAAAADgPwAAAAAAAOA/AAAAAAAA4D8AAAAAAADgPwAAAAAAAOA/AAAAAAAA4D8AAAAAAADgPwAAAAAAAOA/AAAAAAAA4D8CAAAAjAAAAAAAAAAAAAAA////AP///wgAAAAAAAAAAAAAAAAAAAAAAAAAAAAAAAAAAAAAeAAAAAEAAABAAAAAAAAAAAAAAABaAAAAAAAAAAAAAAAAAAAAAAAAAAAAAAAAAAAAAAAAAAAAAAAAAAAAAAAAAAAAAAAAAAAAAAAAAAAAAAAAAAAAAAAAAAAAAAAAAAAAFAAAADwAAAAAAAAAAAAAAAAAAAAPAAAAAQAAACMAAAAjAAAAIwAAAB4AAAAAAAAAZAAAAGQAAAAAAAAAZAAAAGQAAAAVAAAAYAAAAAAAAAAAAAAADwAAACADAAAAAAAAAAAAAAEAAACgMgAAVgcAAKr4//8BAAAAf39/AAEAAABkAAAAAAAAABQAAABAHwAAAAAAACYAAAAAAAAAwOD//wAAAAAmAAAAZAAAABYAAABMAAAAAAAAAAAAAAAEAAAAAAAAAAEAAADu7OEKAAAAACgAAAAoAAAAZAAAAGQAAAAAAAAAzMzMAAAAAABQAAAAUAAAAGQAAABkAAAAAAAAABcAAAAUAAAAAAAAAAAAAAD/fwAA/38AAAAAAAAJAAAABAAAAAQEAAAMAAAAEAAAAAAAAAAAAAAAAAAAAAAAAAAeAAAAaAAAAAAAAAAAAAAAAAAAAAAAAAAAAAAAECcAABAnAAAAAAAAAAAAAAAAAAAAAAAAAAAAAAAAAAAAAAAAAAAAABQAAAAAAAAAwMD/AAAAAABkAAAAMgAAAAAAAABkAAAAAAAAAH9/fwAKAAAAHwAAAFQAAAD///8A////AQAAAAAAAAAAAAAAAAAAAAAAAAAAAAAAAAAAAAAAAAAAAAAAAH9/fwDu7OEDzMzMAMDA/wB/f38AAAAAAAAAAAAAAAAAAAAAAAAAAAAhAAAAGAAAABQAAADIBQAAXTYAAMcoAACANwAAEAAAACYAAAAIAAAAAAAAAAAAAAA="/>
-              </a:ext>
-            </a:extLst>
-          </p:cNvSpPr>
-          <p:nvPr>
-            <p:ph type="body" idx="10"/>
-          </p:nvPr>
-        </p:nvSpPr>
-        <p:spPr/>
-        <p:txBody>
-          <a:bodyPr/>
-          <a:lstStyle/>
+            <a:endParaRPr/>
+          </a:p>
+        </p:txBody>
+      </p:sp>
+      <p:sp>
+        <p:nvSpPr>
+          <p:cNvPr id="6" name="Content Placeholder 5">
+            <a:extLst>
+              <a:ext uri="{FF2B5EF4-FFF2-40B4-BE49-F238E27FC236}">
+                <a16:creationId xmlns:a16="http://schemas.microsoft.com/office/drawing/2014/main" id="{2CBCAD60-2A41-4BE9-9BB9-341041C15568}"/>
+              </a:ext>
+            </a:extLst>
+          </p:cNvPr>
+          <p:cNvSpPr txBox="1">
+            <a:spLocks noChangeArrowheads="1"/>
+            <a:extLst>
+              <a:ext uri="smNativeData">
+                <pr:smNativeData xmlns:pr="smNativeData" xmlns:p14="http://schemas.microsoft.com/office/powerpoint/2010/main" xmlns="" val="SMDATA_13_eIVQYBMAAAAlAAAAZAAAAA0AAAAAAAAAAAAAAAAAAAAAAAAAAAAAAAAAAAAAAAAAAAEAAABQAAAAAAAAAAAA4D8AAAAAAADgPwAAAAAAAOA/AAAAAAAA4D8AAAAAAADgPwAAAAAAAOA/AAAAAAAA4D8AAAAAAADgPwAAAAAAAOA/AAAAAAAA4D8CAAAAjAAAAAAAAAAAAAAA////AP///wgAAAAAAAAAAAAAAAAAAAAAAAAAAAAAAAAAAAAAeAAAAAEAAABAAAAAAAAAAAAAAABaAAAAAAAAAAAAAAAAAAAAAAAAAAAAAAAAAAAAAAAAAAAAAAAAAAAAAAAAAAAAAAAAAAAAAAAAAAAAAAAAAAAAAAAAAAAAAAAAAAAAFAAAADwAAAAAAAAAAAAAAAAAAAAPAAAAAQAAACMAAAAjAAAAIwAAAB4AAAAAAAAAZAAAAGQAAAAAAAAAZAAAAGQAAAAVAAAAYAAAAAAAAAAAAAAADwAAACADAAAAAAAAAAAAAAEAAACgMgAAVgcAAKr4//8BAAAAf39/AAEAAABkAAAAAAAAABQAAABAHwAAAAAAACYAAAAAAAAAwOD//wAAAAAmAAAAZAAAABYAAABMAAAAAAAAAAAAAAAEAAAAAAAAAAEAAADu7OEKAAAAACgAAAAoAAAAZAAAAGQAAAAAAAAAzMzMAAAAAABQAAAAUAAAAGQAAABkAAAAAAAAABcAAAAUAAAAAAAAAAAAAAD/fwAA/38AAAAAAAAJAAAABAAAAAQEAAAMAAAAEAAAAAAAAAAAAAAAAAAAAAAAAAAeAAAAaAAAAAAAAAAAAAAAAAAAAAAAAAAAAAAAECcAABAnAAAAAAAAAAAAAAAAAAAAAAAAAAAAAAAAAAAAAAAAAAAAABQAAAAAAAAAwMD/AAAAAABkAAAAMgAAAAAAAABkAAAAAAAAAH9/fwAKAAAAHwAAAFQAAAD///8A////AQAAAAAAAAAAAAAAAAAAAAAAAAAAAAAAAAAAAAAAAAAAAAAAAH9/fwDu7OEDzMzMAMDA/wB/f38AAAAAAAAAAAAAAAAAAAAAAAAAAAAhAAAAGAAAABQAAADIBQAAXTYAAMcoAACANwAAEAAAACYAAAAIAAAAAAAAAAAAAAA="/>
+              </a:ext>
+            </a:extLst>
+          </p:cNvSpPr>
+          <p:nvPr/>
+        </p:nvSpPr>
+        <p:spPr>
+          <a:xfrm>
+            <a:off x="939800" y="8837295"/>
+            <a:ext cx="5688965" cy="184785"/>
+          </a:xfrm>
+          <a:prstGeom prst="rect">
+            <a:avLst/>
+          </a:prstGeom>
+          <a:noFill/>
+          <a:ln>
+            <a:noFill/>
+          </a:ln>
+          <a:effectLst/>
+        </p:spPr>
+        <p:txBody>
+          <a:bodyPr vert="horz" wrap="square" lIns="0" tIns="0" rIns="0" bIns="0" numCol="1" spcCol="215900" anchor="t">
+            <a:prstTxWarp prst="textNoShape">
+              <a:avLst/>
+            </a:prstTxWarp>
+          </a:bodyPr>
+          <a:lstStyle>
+            <a:lvl1pPr marL="0" marR="0" indent="0" algn="l" defTabSz="457200">
+              <a:lnSpc>
+                <a:spcPct val="100000"/>
+              </a:lnSpc>
+              <a:spcBef>
+                <a:spcPts val="0"/>
+              </a:spcBef>
+              <a:spcAft>
+                <a:spcPts val="0"/>
+              </a:spcAft>
+              <a:buNone/>
+              <a:tabLst/>
+              <a:defRPr lang="en-gb" sz="1200" b="0" i="0" u="none" strike="noStrike" kern="1" spc="0" baseline="0">
+                <a:solidFill>
+                  <a:srgbClr val="595959"/>
+                </a:solidFill>
+                <a:effectLst/>
+                <a:latin typeface="Calibri" pitchFamily="2" charset="0"/>
+                <a:ea typeface="Calibri" pitchFamily="2" charset="0"/>
+                <a:cs typeface="Calibri" pitchFamily="2" charset="0"/>
+              </a:defRPr>
+            </a:lvl1pPr>
+            <a:lvl2pPr marL="457200" marR="0" indent="0" algn="l" defTabSz="457200">
+              <a:lnSpc>
+                <a:spcPct val="100000"/>
+              </a:lnSpc>
+              <a:spcBef>
+                <a:spcPts val="0"/>
+              </a:spcBef>
+              <a:spcAft>
+                <a:spcPts val="0"/>
+              </a:spcAft>
+              <a:buNone/>
+              <a:tabLst/>
+              <a:defRPr lang="de-de" sz="1800" b="0" i="0" u="none" strike="noStrike" kern="1" spc="0" baseline="0">
+                <a:solidFill>
+                  <a:schemeClr val="tx1"/>
+                </a:solidFill>
+                <a:effectLst/>
+                <a:latin typeface="Calibri" pitchFamily="2" charset="0"/>
+                <a:ea typeface="Calibri" pitchFamily="2" charset="0"/>
+                <a:cs typeface="Calibri" pitchFamily="2" charset="0"/>
+              </a:defRPr>
+            </a:lvl2pPr>
+            <a:lvl3pPr marL="914400" marR="0" indent="0" algn="l" defTabSz="457200">
+              <a:lnSpc>
+                <a:spcPct val="100000"/>
+              </a:lnSpc>
+              <a:spcBef>
+                <a:spcPts val="0"/>
+              </a:spcBef>
+              <a:spcAft>
+                <a:spcPts val="0"/>
+              </a:spcAft>
+              <a:buNone/>
+              <a:tabLst/>
+              <a:defRPr lang="de-de" sz="1800" b="0" i="0" u="none" strike="noStrike" kern="1" spc="0" baseline="0">
+                <a:solidFill>
+                  <a:schemeClr val="tx1"/>
+                </a:solidFill>
+                <a:effectLst/>
+                <a:latin typeface="Calibri" pitchFamily="2" charset="0"/>
+                <a:ea typeface="Calibri" pitchFamily="2" charset="0"/>
+                <a:cs typeface="Calibri" pitchFamily="2" charset="0"/>
+              </a:defRPr>
+            </a:lvl3pPr>
+            <a:lvl4pPr marL="1371600" marR="0" indent="0" algn="l" defTabSz="457200">
+              <a:lnSpc>
+                <a:spcPct val="100000"/>
+              </a:lnSpc>
+              <a:spcBef>
+                <a:spcPts val="0"/>
+              </a:spcBef>
+              <a:spcAft>
+                <a:spcPts val="0"/>
+              </a:spcAft>
+              <a:buNone/>
+              <a:tabLst/>
+              <a:defRPr lang="de-de" sz="1800" b="0" i="0" u="none" strike="noStrike" kern="1" spc="0" baseline="0">
+                <a:solidFill>
+                  <a:schemeClr val="tx1"/>
+                </a:solidFill>
+                <a:effectLst/>
+                <a:latin typeface="Calibri" pitchFamily="2" charset="0"/>
+                <a:ea typeface="Calibri" pitchFamily="2" charset="0"/>
+                <a:cs typeface="Calibri" pitchFamily="2" charset="0"/>
+              </a:defRPr>
+            </a:lvl4pPr>
+            <a:lvl5pPr marL="1828800" marR="0" indent="0" algn="l" defTabSz="457200">
+              <a:lnSpc>
+                <a:spcPct val="100000"/>
+              </a:lnSpc>
+              <a:spcBef>
+                <a:spcPts val="0"/>
+              </a:spcBef>
+              <a:spcAft>
+                <a:spcPts val="0"/>
+              </a:spcAft>
+              <a:buNone/>
+              <a:tabLst/>
+              <a:defRPr lang="de-de" sz="1800" b="0" i="0" u="none" strike="noStrike" kern="1" spc="0" baseline="0">
+                <a:solidFill>
+                  <a:schemeClr val="tx1"/>
+                </a:solidFill>
+                <a:effectLst/>
+                <a:latin typeface="Calibri" pitchFamily="2" charset="0"/>
+                <a:ea typeface="Calibri" pitchFamily="2" charset="0"/>
+                <a:cs typeface="Calibri" pitchFamily="2" charset="0"/>
+              </a:defRPr>
+            </a:lvl5pPr>
+            <a:lvl6pPr marL="2286000" marR="0" indent="0" algn="l" defTabSz="457200">
+              <a:lnSpc>
+                <a:spcPct val="100000"/>
+              </a:lnSpc>
+              <a:spcBef>
+                <a:spcPts val="0"/>
+              </a:spcBef>
+              <a:spcAft>
+                <a:spcPts val="0"/>
+              </a:spcAft>
+              <a:buNone/>
+              <a:tabLst/>
+              <a:defRPr lang="de-de" sz="1800" b="0" i="0" u="none" strike="noStrike" kern="1" spc="0" baseline="0">
+                <a:solidFill>
+                  <a:schemeClr val="tx1"/>
+                </a:solidFill>
+                <a:effectLst/>
+                <a:latin typeface="Calibri" pitchFamily="2" charset="0"/>
+                <a:ea typeface="Calibri" pitchFamily="2" charset="0"/>
+                <a:cs typeface="Calibri" pitchFamily="2" charset="0"/>
+              </a:defRPr>
+            </a:lvl6pPr>
+            <a:lvl7pPr marL="2743200" marR="0" indent="0" algn="l" defTabSz="457200">
+              <a:lnSpc>
+                <a:spcPct val="100000"/>
+              </a:lnSpc>
+              <a:spcBef>
+                <a:spcPts val="0"/>
+              </a:spcBef>
+              <a:spcAft>
+                <a:spcPts val="0"/>
+              </a:spcAft>
+              <a:buNone/>
+              <a:tabLst/>
+              <a:defRPr lang="de-de" sz="1800" b="0" i="0" u="none" strike="noStrike" kern="1" spc="0" baseline="0">
+                <a:solidFill>
+                  <a:schemeClr val="tx1"/>
+                </a:solidFill>
+                <a:effectLst/>
+                <a:latin typeface="Calibri" pitchFamily="2" charset="0"/>
+                <a:ea typeface="Calibri" pitchFamily="2" charset="0"/>
+                <a:cs typeface="Calibri" pitchFamily="2" charset="0"/>
+              </a:defRPr>
+            </a:lvl7pPr>
+            <a:lvl8pPr marL="3200400" marR="0" indent="0" algn="l" defTabSz="457200">
+              <a:lnSpc>
+                <a:spcPct val="100000"/>
+              </a:lnSpc>
+              <a:spcBef>
+                <a:spcPts val="0"/>
+              </a:spcBef>
+              <a:spcAft>
+                <a:spcPts val="0"/>
+              </a:spcAft>
+              <a:buNone/>
+              <a:tabLst/>
+              <a:defRPr lang="de-de" sz="1800" b="0" i="0" u="none" strike="noStrike" kern="1" spc="0" baseline="0">
+                <a:solidFill>
+                  <a:schemeClr val="tx1"/>
+                </a:solidFill>
+                <a:effectLst/>
+                <a:latin typeface="Calibri" pitchFamily="2" charset="0"/>
+                <a:ea typeface="Calibri" pitchFamily="2" charset="0"/>
+                <a:cs typeface="Calibri" pitchFamily="2" charset="0"/>
+              </a:defRPr>
+            </a:lvl8pPr>
+            <a:lvl9pPr marL="3657600" marR="0" indent="0" algn="l" defTabSz="457200">
+              <a:lnSpc>
+                <a:spcPct val="100000"/>
+              </a:lnSpc>
+              <a:spcBef>
+                <a:spcPts val="0"/>
+              </a:spcBef>
+              <a:spcAft>
+                <a:spcPts val="0"/>
+              </a:spcAft>
+              <a:buNone/>
+              <a:tabLst/>
+              <a:defRPr lang="de-de" sz="1800" b="0" i="0" u="none" strike="noStrike" kern="1" spc="0" baseline="0">
+                <a:solidFill>
+                  <a:schemeClr val="tx1"/>
+                </a:solidFill>
+                <a:effectLst/>
+                <a:latin typeface="Calibri" pitchFamily="2" charset="0"/>
+                <a:ea typeface="Calibri" pitchFamily="2" charset="0"/>
+                <a:cs typeface="Calibri" pitchFamily="2" charset="0"/>
+              </a:defRPr>
+            </a:lvl9pPr>
+          </a:lstStyle>
           <a:p>
             <a:pPr>
               <a:defRPr lang="en-gb"/>
             </a:pPr>
-          </a:p>
-        </p:txBody>
-      </p:sp>
+            <a:r>
+              <a:rPr lang="en-GB" dirty="0"/>
+              <a:t>Source: https://commons.wikimedia.org/wiki/File:Samsung_Galaxy_Watch_3.png</a:t>
+            </a:r>
+          </a:p>
+        </p:txBody>
+      </p:sp>
+      <p:pic>
+        <p:nvPicPr>
+          <p:cNvPr id="8" name="Picture 7">
+            <a:extLst>
+              <a:ext uri="{FF2B5EF4-FFF2-40B4-BE49-F238E27FC236}">
+                <a16:creationId xmlns:a16="http://schemas.microsoft.com/office/drawing/2014/main" id="{1C3AB2FB-79E4-4C86-ADD1-0A1F9AEBC862}"/>
+              </a:ext>
+            </a:extLst>
+          </p:cNvPr>
+          <p:cNvPicPr>
+            <a:picLocks noChangeAspect="1"/>
+          </p:cNvPicPr>
+          <p:nvPr/>
+        </p:nvPicPr>
+        <p:blipFill>
+          <a:blip r:embed="rId2">
+            <a:extLst>
+              <a:ext uri="{28A0092B-C50C-407E-A947-70E740481C1C}">
+                <a14:useLocalDpi xmlns:a14="http://schemas.microsoft.com/office/drawing/2010/main" val="0"/>
+              </a:ext>
+            </a:extLst>
+          </a:blip>
+          <a:stretch>
+            <a:fillRect/>
+          </a:stretch>
+        </p:blipFill>
+        <p:spPr>
+          <a:xfrm>
+            <a:off x="7435851" y="2894330"/>
+            <a:ext cx="5594349" cy="5594349"/>
+          </a:xfrm>
+          <a:prstGeom prst="rect">
+            <a:avLst/>
+          </a:prstGeom>
+        </p:spPr>
+      </p:pic>
     </p:spTree>
   </p:cSld>
   <p:clrMapOvr>
     <a:masterClrMapping/>
   </p:clrMapOvr>
-  <p:timing>
-    <p:tnLst>
-      <p:par>
-        <p:cTn id="1" dur="indefinite" restart="never" nodeType="tmRoot"/>
-      </p:par>
-    </p:tnLst>
-  </p:timing>
 </p:sld>
 </file>
 
-<file path=ppt/slides/slide4.xml><?xml version="1.0" encoding="utf-8"?>
-<p:sld xmlns:p="http://schemas.openxmlformats.org/presentationml/2006/main" xmlns:p14="http://schemas.microsoft.com/office/powerpoint/2010/main" xmlns:r="http://schemas.openxmlformats.org/officeDocument/2006/relationships" xmlns:a="http://schemas.openxmlformats.org/drawingml/2006/main">
+<file path=ppt/slides/slide5.xml><?xml version="1.0" encoding="utf-8"?>
+<p:sld xmlns:a="http://schemas.openxmlformats.org/drawingml/2006/main" xmlns:r="http://schemas.openxmlformats.org/officeDocument/2006/relationships" xmlns:p="http://schemas.openxmlformats.org/presentationml/2006/main">
   <p:cSld>
     <p:spTree>
       <p:nvGrpSpPr>
@@ -7770,7 +8229,7 @@
             <a:spLocks noGrp="1" noChangeArrowheads="1"/>
             <a:extLst>
               <a:ext uri="smNativeData">
-                <pr:smNativeData xmlns:pr="smNativeData" val="SMDATA_13_eIVQYBMAAAAlAAAAZAAAAA0AAAAAAAAAAAAAAAAAAAAAAAAAAAAAAAAAAAAAAAAAAAEAAABQAAAAAAAAAAAA4D8AAAAAAADgPwAAAAAAAOA/AAAAAAAA4D8AAAAAAADgPwAAAAAAAOA/AAAAAAAA4D8AAAAAAADgPwAAAAAAAOA/AAAAAAAA4D8CAAAAjAAAAAAAAAAAAAAA////AP///wgAAAAAAAAAAAAAAAAAAAAAAAAAAAAAAAAAAAAAeAAAAAEAAABAAAAAAAAAAAAAAABaAAAAAAAAAAAAAAAAAAAAAAAAAAAAAAAAAAAAAAAAAAAAAAAAAAAAAAAAAAAAAAAAAAAAAAAAAAAAAAAAAAAAAAAAAAAAAAAAAAAAFAAAADwAAAAAAAAAAAAAAAAAAAAPAAAAAQAAACMAAAAjAAAAIwAAAB4AAAAAAAAAZAAAAGQAAAAAAAAAZAAAAGQAAAAVAAAAYAAAAAAAAAAAAAAADwAAACADAAAAAAAAAAAAAAEAAACgMgAAVgcAAKr4//8BAAAAf39/AAEAAABkAAAAAAAAABQAAABAHwAAAAAAACYAAAAAAAAAwOD//wAAAAAmAAAAZAAAABYAAABMAAAAAAAAAAAAAAAEAAAAAAAAAAEAAADu7OEKAAAAACgAAAAoAAAAZAAAAGQAAAAAAAAAzMzMAAAAAABQAAAAUAAAAGQAAABkAAAAAAAAABcAAAAUAAAAAAAAAAAAAAD/fwAA/38AAAAAAAAJAAAABAAAAAAAAAAMAAAAEAAAAAAAAAAAAAAAAAAAAAAAAAAeAAAAaAAAAAAAAAAAAAAAAAAAAAAAAAAAAAAAECcAABAnAAAAAAAAAAAAAAAAAAAAAAAAAAAAAAAAAAAAAAAAAAAAABQAAAAAAAAAwMD/AAAAAABkAAAAMgAAAAAAAABkAAAAAAAAAH9/fwAKAAAAHwAAAFQAAAD///8A////AQAAAAAAAAAAAAAAAAAAAAAAAAAAAAAAAAAAAAAAAAAAAAAAAH9/fwDu7OEDzMzMAMDA/wB/f38AAAAAAAAAAAAAAAAAAAAAAAAAAAAhAAAAGAAAABQAAADIBQAAiQsAAHpIAACpDwAAEAAAACYAAAAIAAAAAQAAAAAAAAA="/>
+                <pr:smNativeData xmlns="" xmlns:p14="http://schemas.microsoft.com/office/powerpoint/2010/main" xmlns:pr="smNativeData" val="SMDATA_13_eIVQYBMAAAAlAAAAZAAAAA0AAAAAAAAAAAAAAAAAAAAAAAAAAAAAAAAAAAAAAAAAAAEAAABQAAAAAAAAAAAA4D8AAAAAAADgPwAAAAAAAOA/AAAAAAAA4D8AAAAAAADgPwAAAAAAAOA/AAAAAAAA4D8AAAAAAADgPwAAAAAAAOA/AAAAAAAA4D8CAAAAjAAAAAAAAAAAAAAA////AP///wgAAAAAAAAAAAAAAAAAAAAAAAAAAAAAAAAAAAAAeAAAAAEAAABAAAAAAAAAAAAAAABaAAAAAAAAAAAAAAAAAAAAAAAAAAAAAAAAAAAAAAAAAAAAAAAAAAAAAAAAAAAAAAAAAAAAAAAAAAAAAAAAAAAAAAAAAAAAAAAAAAAAFAAAADwAAAAAAAAAAAAAAAAAAAAPAAAAAQAAACMAAAAjAAAAIwAAAB4AAAAAAAAAZAAAAGQAAAAAAAAAZAAAAGQAAAAVAAAAYAAAAAAAAAAAAAAADwAAACADAAAAAAAAAAAAAAEAAACgMgAAVgcAAKr4//8BAAAAf39/AAEAAABkAAAAAAAAABQAAABAHwAAAAAAACYAAAAAAAAAwOD//wAAAAAmAAAAZAAAABYAAABMAAAAAAAAAAAAAAAEAAAAAAAAAAEAAADu7OEKAAAAACgAAAAoAAAAZAAAAGQAAAAAAAAAzMzMAAAAAABQAAAAUAAAAGQAAABkAAAAAAAAABcAAAAUAAAAAAAAAAAAAAD/fwAA/38AAAAAAAAJAAAABAAAAAAAAAAMAAAAEAAAAAAAAAAAAAAAAAAAAAAAAAAeAAAAaAAAAAAAAAAAAAAAAAAAAAAAAAAAAAAAECcAABAnAAAAAAAAAAAAAAAAAAAAAAAAAAAAAAAAAAAAAAAAAAAAABQAAAAAAAAAwMD/AAAAAABkAAAAMgAAAAAAAABkAAAAAAAAAH9/fwAKAAAAHwAAAFQAAAD///8A////AQAAAAAAAAAAAAAAAAAAAAAAAAAAAAAAAAAAAAAAAAAAAAAAAH9/fwDu7OEDzMzMAMDA/wB/f38AAAAAAAAAAAAAAAAAAAAAAAAAAAAhAAAAGAAAABQAAADIBQAAiQsAAHpIAACpDwAAEAAAACYAAAAIAAAAAQAAAAAAAAA="/>
               </a:ext>
             </a:extLst>
           </p:cNvSpPr>
@@ -7792,7 +8251,8 @@
               <a:defRPr lang="en-gb"/>
             </a:pPr>
             <a:r>
-              <a:t>Foundations – Smartwatches</a:t>
+              <a:rPr dirty="0"/>
+              <a:t>Foundations – Tizen Applications</a:t>
             </a:r>
           </a:p>
         </p:txBody>
@@ -7804,7 +8264,7 @@
             <a:spLocks noGrp="1" noChangeArrowheads="1"/>
             <a:extLst>
               <a:ext uri="smNativeData">
-                <pr:smNativeData xmlns:pr="smNativeData" val="SMDATA_13_eIVQYBMAAAAlAAAAZAAAAA0AAAAAAAAAAAAAAAAAAAAAAAAAAAAAAAAAAAAAAAAAAAEAAABQAAAAAAAAAAAA4D8AAAAAAADgPwAAAAAAAOA/AAAAAAAA4D8AAAAAAADgPwAAAAAAAOA/AAAAAAAA4D8AAAAAAADgPwAAAAAAAOA/AAAAAAAA4D8CAAAAjAAAAAAAAAAAAAAA////AP///wgAAAAAAAAAAAAAAAAAAAAAAAAAAAAAAAAAAAAAeAAAAAEAAABAAAAAAAAAAAAAAABaAAAAAAAAAAAAAAAAAAAAAAAAAAAAAAAAAAAAAAAAAAAAAAAAAAAAAAAAAAAAAAAAAAAAAAAAAAAAAAAAAAAAAAAAAAAAAAAAAAAAFAAAADwAAAAAAAAAAAAAAAAAAAAPAAAAAQAAACMAAAAjAAAAIwAAAB4AAAAAAAAAZAAAAGQAAAAAAAAAZAAAAGQAAAAVAAAAYAAAAAAAAAAAAAAADwAAACADAAAAAAAAAAAAAAEAAACgMgAAVgcAAKr4//8BAAAAf39/AAEAAABkAAAAAAAAABQAAABAHwAAAAAAACYAAAAAAAAAwOD//wAAAAAmAAAAZAAAABYAAABMAAAAAAAAAAAAAAAEAAAAAAAAAAEAAADu7OEKAAAAACgAAAAoAAAAZAAAAGQAAAAAAAAAzMzMAAAAAABQAAAAUAAAAGQAAABkAAAAAAAAABcAAAAUAAAAAAAAAAAAAAD/fwAA/38AAAAAAAAJAAAABAAAAAAAAAAMAAAAEAAAAAAAAAAAAAAAAAAAAAAAAAAeAAAAaAAAAAAAAAAAAAAAAAAAAAAAAAAAAAAAECcAABAnAAAAAAAAAAAAAAAAAAAAAAAAAAAAAAAAAAAAAAAAAAAAABQAAAAAAAAAwMD/AAAAAABkAAAAMgAAAAAAAABkAAAAAAAAAH9/fwAKAAAAHwAAAFQAAAD///8A////AQAAAAAAAAAAAAAAAAAAAAAAAAAAAAAAAAAAAAAAAAAAAAAAAH9/fwDu7OEDzMzMAMDA/wB/f38AAAAAAAAAAAAAAAAAAAAAAAAAAAAhAAAAGAAAABQAAADJBQAAwRIAAHtIAADDMgAAAAAAACYAAAAIAAAAAYAAAAAAAAA="/>
+                <pr:smNativeData xmlns="" xmlns:p14="http://schemas.microsoft.com/office/powerpoint/2010/main" xmlns:pr="smNativeData" val="SMDATA_13_eIVQYBMAAAAlAAAAZAAAAA0AAAAAAAAAAAAAAAAAAAAAAAAAAAAAAAAAAAAAAAAAAAEAAABQAAAAAAAAAAAA4D8AAAAAAADgPwAAAAAAAOA/AAAAAAAA4D8AAAAAAADgPwAAAAAAAOA/AAAAAAAA4D8AAAAAAADgPwAAAAAAAOA/AAAAAAAA4D8CAAAAjAAAAAAAAAAAAAAA////AP///wgAAAAAAAAAAAAAAAAAAAAAAAAAAAAAAAAAAAAAeAAAAAEAAABAAAAAAAAAAAAAAABaAAAAAAAAAAAAAAAAAAAAAAAAAAAAAAAAAAAAAAAAAAAAAAAAAAAAAAAAAAAAAAAAAAAAAAAAAAAAAAAAAAAAAAAAAAAAAAAAAAAAFAAAADwAAAAAAAAAAAAAAAAAAAAPAAAAAQAAACMAAAAjAAAAIwAAAB4AAAAAAAAAZAAAAGQAAAAAAAAAZAAAAGQAAAAVAAAAYAAAAAAAAAAAAAAADwAAACADAAAAAAAAAAAAAAEAAACgMgAAVgcAAKr4//8BAAAAf39/AAEAAABkAAAAAAAAABQAAABAHwAAAAAAACYAAAAAAAAAwOD//wAAAAAmAAAAZAAAABYAAABMAAAAAAAAAAAAAAAEAAAAAAAAAAEAAADu7OEKAAAAACgAAAAoAAAAZAAAAGQAAAAAAAAAzMzMAAAAAABQAAAAUAAAAGQAAABkAAAAAAAAABcAAAAUAAAAAAAAAAAAAAD/fwAA/38AAAAAAAAJAAAABAAAAAAAAAAMAAAAEAAAAAAAAAAAAAAAAAAAAAAAAAAeAAAAaAAAAAAAAAAAAAAAAAAAAAAAAAAAAAAAECcAABAnAAAAAAAAAAAAAAAAAAAAAAAAAAAAAAAAAAAAAAAAAAAAABQAAAAAAAAAwMD/AAAAAABkAAAAMgAAAAAAAABkAAAAAAAAAH9/fwAKAAAAHwAAAFQAAAD///8A////AQAAAAAAAAAAAAAAAAAAAAAAAAAAAAAAAAAAAAAAAAAAAAAAAH9/fwDu7OEDzMzMAMDA/wB/f38AAAAAAAAAAAAAAAAAAAAAAAAAAAAhAAAAGAAAABQAAADJBQAAwRIAAHtIAADDMgAAAAAAACYAAAAIAAAAAYAAAAAAAAA="/>
               </a:ext>
             </a:extLst>
           </p:cNvSpPr>
@@ -7832,7 +8292,7 @@
                 <a:schemeClr val="accent1"/>
               </a:buClr>
               <a:buSzPts val="2910"/>
-              <a:buFont typeface="Wingdings" pitchFamily="0" charset="0"/>
+              <a:buFont typeface="Wingdings" charset="0"/>
               <a:buChar char="§"/>
               <a:tabLst/>
               <a:defRPr lang="de-de" sz="2800" b="0" i="0" baseline="0">
@@ -7863,7 +8323,7 @@
               <a:lnSpc>
                 <a:spcPct val="150000"/>
               </a:lnSpc>
-              <a:buFont typeface="Wingdings" pitchFamily="0" charset="0"/>
+              <a:buFont typeface="Wingdings" charset="0"/>
               <a:buChar char="§"/>
               <a:defRPr lang="de-de" sz="2000" b="0" i="0" baseline="0">
                 <a:solidFill>
@@ -7898,87 +8358,73 @@
               <a:defRPr lang="de-de"/>
             </a:pPr>
             <a:r>
-              <a:rPr lang="en-us"/>
-              <a:t>What is a smartwatch ?</a:t>
-            </a:r>
-            <a:endParaRPr lang="en-us"/>
-          </a:p>
-          <a:p>
-            <a:pPr>
-              <a:defRPr lang="de-de"/>
-            </a:pPr>
-            <a:r>
-              <a:rPr lang="en-us"/>
-              <a:t>Features</a:t>
-            </a:r>
-            <a:endParaRPr lang="en-us"/>
+              <a:rPr lang="en-GB" dirty="0"/>
+              <a:t>.NET applications – C# based</a:t>
+            </a:r>
           </a:p>
           <a:p>
             <a:pPr lvl="1">
               <a:defRPr lang="de-de"/>
             </a:pPr>
             <a:r>
-              <a:rPr lang="en-us"/>
-              <a:t>Have WiFi/Bluetooth connectivity</a:t>
-            </a:r>
-            <a:endParaRPr lang="en-us"/>
+              <a:rPr lang="en-US" dirty="0"/>
+              <a:t>Managed run-time</a:t>
+            </a:r>
           </a:p>
           <a:p>
             <a:pPr lvl="1">
               <a:defRPr lang="de-de"/>
             </a:pPr>
             <a:r>
-              <a:rPr lang="en-us"/>
-              <a:t>Support mobile applications</a:t>
-            </a:r>
-            <a:endParaRPr lang="en-us"/>
+              <a:rPr lang="en-US" dirty="0"/>
+              <a:t>Safe code</a:t>
+            </a:r>
           </a:p>
           <a:p>
             <a:pPr lvl="1">
               <a:defRPr lang="de-de"/>
             </a:pPr>
             <a:r>
-              <a:rPr lang="en-us"/>
-              <a:t>Have their own operating system</a:t>
-            </a:r>
-            <a:endParaRPr lang="en-us"/>
+              <a:rPr lang="en-US" dirty="0"/>
+              <a:t>Fast development</a:t>
+            </a:r>
+          </a:p>
+          <a:p>
+            <a:pPr>
+              <a:defRPr lang="de-de"/>
+            </a:pPr>
+            <a:r>
+              <a:rPr lang="en-us" dirty="0"/>
+              <a:t>Xamarin Forms</a:t>
+            </a:r>
+          </a:p>
+          <a:p>
+            <a:pPr>
+              <a:defRPr lang="de-de"/>
+            </a:pPr>
+            <a:r>
+              <a:rPr lang="en-us" dirty="0" err="1"/>
+              <a:t>TizenFX</a:t>
+            </a:r>
+            <a:endParaRPr lang="en-us" dirty="0"/>
+          </a:p>
+          <a:p>
+            <a:pPr>
+              <a:defRPr lang="de-de"/>
+            </a:pPr>
+            <a:endParaRPr dirty="0"/>
           </a:p>
           <a:p>
             <a:pPr lvl="1">
               <a:defRPr lang="de-de"/>
             </a:pPr>
-            <a:r>
-              <a:rPr lang="en-us"/>
-              <a:t>Peripheral devices (sensors)</a:t>
-            </a:r>
-            <a:endParaRPr lang="en-us"/>
-          </a:p>
-          <a:p>
-            <a:pPr>
-              <a:defRPr lang="de-de"/>
-            </a:pPr>
-            <a:r>
-              <a:t>A</a:t>
-            </a:r>
-          </a:p>
-          <a:p>
-            <a:pPr>
-              <a:defRPr lang="de-de"/>
-            </a:pPr>
-            <a:r>
-              <a:t>B</a:t>
-            </a:r>
-          </a:p>
-          <a:p>
-            <a:pPr lvl="1">
-              <a:defRPr lang="de-de"/>
-            </a:pPr>
-          </a:p>
-          <a:p>
-            <a:pPr>
-              <a:defRPr lang="de-de"/>
-            </a:pPr>
-            <a:endParaRPr lang="en-gb"/>
+            <a:endParaRPr dirty="0"/>
+          </a:p>
+          <a:p>
+            <a:pPr>
+              <a:defRPr lang="de-de"/>
+            </a:pPr>
+            <a:endParaRPr lang="en-gb" dirty="0"/>
           </a:p>
         </p:txBody>
       </p:sp>
@@ -7989,7 +8435,7 @@
             <a:spLocks noGrp="1" noChangeArrowheads="1"/>
             <a:extLst>
               <a:ext uri="smNativeData">
-                <pr:smNativeData xmlns:pr="smNativeData" val="SMDATA_13_eIVQYBMAAAAlAAAAZAAAAA0AAAAAAAAAAAAAAAAAAAAAAAAAAAAAAAAAAAAAAAAAAAEAAABQAAAAAAAAAAAA4D8AAAAAAADgPwAAAAAAAOA/AAAAAAAA4D8AAAAAAADgPwAAAAAAAOA/AAAAAAAA4D8AAAAAAADgPwAAAAAAAOA/AAAAAAAA4D8CAAAAjAAAAAAAAAAAAAAA////AP///wgAAAAAAAAAAAAAAAAAAAAAAAAAAAAAAAAAAAAAeAAAAAEAAABAAAAAAAAAAAAAAABaAAAAAAAAAAAAAAAAAAAAAAAAAAAAAAAAAAAAAAAAAAAAAAAAAAAAAAAAAAAAAAAAAAAAAAAAAAAAAAAAAAAAAAAAAAAAAAAAAAAAFAAAADwAAAAAAAAAAAAAAAAAAAAPAAAAAQAAACMAAAAjAAAAIwAAAB4AAAAAAAAAZAAAAGQAAAAAAAAAZAAAAGQAAAAVAAAAYAAAAAAAAAAAAAAADwAAACADAAAAAAAAAAAAAAEAAACgMgAAVgcAAKr4//8BAAAAf39/AAEAAABkAAAAAAAAABQAAABAHwAAAAAAACYAAAAAAAAAwOD//wAAAAAmAAAAZAAAABYAAABMAAAAAAAAAAAAAAAEAAAAAAAAAAEAAADu7OEKAAAAACgAAAAoAAAAZAAAAGQAAAAAAAAAzMzMAAAAAABQAAAAUAAAAGQAAABkAAAAAAAAABcAAAAUAAAAAAAAAAAAAAD/fwAA/38AAAAAAAAJAAAABAAAAAAAAAAMAAAAEAAAAAAAAAAAAAAAAAAAAAAAAAAeAAAAaAAAAAAAAAAAAAAAAAAAAAAAAAAAAAAAECcAABAnAAAAAAAAAAAAAAAAAAAAAAAAAAAAAAAAAAAAAAAAAAAAABQAAAAAAAAAwMD/AAAAAABkAAAAMgAAAAAAAABkAAAAAAAAAH9/fwAKAAAAHwAAAFQAAAD///8A////AQAAAAAAAAAAAAAAAAAAAAAAAAAAAAAAAAAAAAAAAAAAAAAAAH9/fwDu7OEDzMzMAMDA/wB/f38AAAAAAAAAAAAAAAAAAAAAAAAAAAAhAAAAGAAAABQAAADqAQAA4DgAAPAKAACYOgAAEAAAACYAAAAIAAAAAAAAAAAAAAA="/>
+                <pr:smNativeData xmlns="" xmlns:p14="http://schemas.microsoft.com/office/powerpoint/2010/main" xmlns:pr="smNativeData" val="SMDATA_13_eIVQYBMAAAAlAAAAZAAAAA0AAAAAAAAAAAAAAAAAAAAAAAAAAAAAAAAAAAAAAAAAAAEAAABQAAAAAAAAAAAA4D8AAAAAAADgPwAAAAAAAOA/AAAAAAAA4D8AAAAAAADgPwAAAAAAAOA/AAAAAAAA4D8AAAAAAADgPwAAAAAAAOA/AAAAAAAA4D8CAAAAjAAAAAAAAAAAAAAA////AP///wgAAAAAAAAAAAAAAAAAAAAAAAAAAAAAAAAAAAAAeAAAAAEAAABAAAAAAAAAAAAAAABaAAAAAAAAAAAAAAAAAAAAAAAAAAAAAAAAAAAAAAAAAAAAAAAAAAAAAAAAAAAAAAAAAAAAAAAAAAAAAAAAAAAAAAAAAAAAAAAAAAAAFAAAADwAAAAAAAAAAAAAAAAAAAAPAAAAAQAAACMAAAAjAAAAIwAAAB4AAAAAAAAAZAAAAGQAAAAAAAAAZAAAAGQAAAAVAAAAYAAAAAAAAAAAAAAADwAAACADAAAAAAAAAAAAAAEAAACgMgAAVgcAAKr4//8BAAAAf39/AAEAAABkAAAAAAAAABQAAABAHwAAAAAAACYAAAAAAAAAwOD//wAAAAAmAAAAZAAAABYAAABMAAAAAAAAAAAAAAAEAAAAAAAAAAEAAADu7OEKAAAAACgAAAAoAAAAZAAAAGQAAAAAAAAAzMzMAAAAAABQAAAAUAAAAGQAAABkAAAAAAAAABcAAAAUAAAAAAAAAAAAAAD/fwAA/38AAAAAAAAJAAAABAAAAAAAAAAMAAAAEAAAAAAAAAAAAAAAAAAAAAAAAAAeAAAAaAAAAAAAAAAAAAAAAAAAAAAAAAAAAAAAECcAABAnAAAAAAAAAAAAAAAAAAAAAAAAAAAAAAAAAAAAAAAAAAAAABQAAAAAAAAAwMD/AAAAAABkAAAAMgAAAAAAAABkAAAAAAAAAH9/fwAKAAAAHwAAAFQAAAD///8A////AQAAAAAAAAAAAAAAAAAAAAAAAAAAAAAAAAAAAAAAAAAAAAAAAH9/fwDu7OEDzMzMAMDA/wB/f38AAAAAAAAAAAAAAAAAAAAAAAAAAAAhAAAAGAAAABQAAADqAQAA4DgAAPAKAACYOgAAEAAAACYAAAAIAAAAAAAAAAAAAAA="/>
               </a:ext>
             </a:extLst>
           </p:cNvSpPr>
@@ -8018,7 +8464,7 @@
             <a:spLocks noGrp="1" noChangeArrowheads="1"/>
             <a:extLst>
               <a:ext uri="smNativeData">
-                <pr:smNativeData xmlns:pr="smNativeData" val="SMDATA_13_eIVQYBMAAAAlAAAAZAAAAA0AAAAAAAAAAAAAAAAAAAAAAAAAAAAAAAAAAAAAAAAAAAEAAABQAAAAAAAAAAAA4D8AAAAAAADgPwAAAAAAAOA/AAAAAAAA4D8AAAAAAADgPwAAAAAAAOA/AAAAAAAA4D8AAAAAAADgPwAAAAAAAOA/AAAAAAAA4D8CAAAAjAAAAAAAAAAAAAAA////AP///wgAAAAAAAAAAAAAAAAAAAAAAAAAAAAAAAAAAAAAeAAAAAEAAABAAAAAAAAAAAAAAABaAAAAAAAAAAAAAAAAAAAAAAAAAAAAAAAAAAAAAAAAAAAAAAAAAAAAAAAAAAAAAAAAAAAAAAAAAAAAAAAAAAAAAAAAAAAAAAAAAAAAFAAAADwAAAAAAAAAAAAAAAAAAAAPAAAAAQAAACMAAAAjAAAAIwAAAB4AAAAAAAAAZAAAAGQAAAAAAAAAZAAAAGQAAAAVAAAAYAAAAAAAAAAAAAAADwAAACADAAAAAAAAAAAAAAEAAACgMgAAVgcAAKr4//8BAAAAf39/AAEAAABkAAAAAAAAABQAAABAHwAAAAAAACYAAAAAAAAAwOD//wAAAAAmAAAAZAAAABYAAABMAAAAAAAAAAAAAAAEAAAAAAAAAAEAAADu7OEKAAAAACgAAAAoAAAAZAAAAGQAAAAAAAAAzMzMAAAAAABQAAAAUAAAAGQAAABkAAAAAAAAABcAAAAUAAAAAAAAAAAAAAD/fwAA/38AAAAAAAAJAAAABAAAAAAAAAAMAAAAEAAAAAAAAAAAAAAAAAAAAAAAAAAeAAAAaAAAAAAAAAAAAAAAAAAAAAAAAAAAAAAAECcAABAnAAAAAAAAAAAAAAAAAAAAAAAAAAAAAAAAAAAAAAAAAAAAABQAAAAAAAAAwMD/AAAAAABkAAAAMgAAAAAAAABkAAAAAAAAAH9/fwAKAAAAHwAAAFQAAAD///8A////AQAAAAAAAAAAAAAAAAAAAAAAAAAAAAAAAAAAAAAAAAAAAAAAAH9/fwDu7OEDzMzMAMDA/wB/f38AAAAAAAAAAAAAAAAAAAAAAAAAAAAhAAAAGAAAABQAAADQSAAAGDkAABZOAACYOgAAEAAAACYAAAAIAAAAAAAAAAAAAAA="/>
+                <pr:smNativeData xmlns="" xmlns:p14="http://schemas.microsoft.com/office/powerpoint/2010/main" xmlns:pr="smNativeData" val="SMDATA_13_eIVQYBMAAAAlAAAAZAAAAA0AAAAAAAAAAAAAAAAAAAAAAAAAAAAAAAAAAAAAAAAAAAEAAABQAAAAAAAAAAAA4D8AAAAAAADgPwAAAAAAAOA/AAAAAAAA4D8AAAAAAADgPwAAAAAAAOA/AAAAAAAA4D8AAAAAAADgPwAAAAAAAOA/AAAAAAAA4D8CAAAAjAAAAAAAAAAAAAAA////AP///wgAAAAAAAAAAAAAAAAAAAAAAAAAAAAAAAAAAAAAeAAAAAEAAABAAAAAAAAAAAAAAABaAAAAAAAAAAAAAAAAAAAAAAAAAAAAAAAAAAAAAAAAAAAAAAAAAAAAAAAAAAAAAAAAAAAAAAAAAAAAAAAAAAAAAAAAAAAAAAAAAAAAFAAAADwAAAAAAAAAAAAAAAAAAAAPAAAAAQAAACMAAAAjAAAAIwAAAB4AAAAAAAAAZAAAAGQAAAAAAAAAZAAAAGQAAAAVAAAAYAAAAAAAAAAAAAAADwAAACADAAAAAAAAAAAAAAEAAACgMgAAVgcAAKr4//8BAAAAf39/AAEAAABkAAAAAAAAABQAAABAHwAAAAAAACYAAAAAAAAAwOD//wAAAAAmAAAAZAAAABYAAABMAAAAAAAAAAAAAAAEAAAAAAAAAAEAAADu7OEKAAAAACgAAAAoAAAAZAAAAGQAAAAAAAAAzMzMAAAAAABQAAAAUAAAAGQAAABkAAAAAAAAABcAAAAUAAAAAAAAAAAAAAD/fwAA/38AAAAAAAAJAAAABAAAAAAAAAAMAAAAEAAAAAAAAAAAAAAAAAAAAAAAAAAeAAAAaAAAAAAAAAAAAAAAAAAAAAAAAAAAAAAAECcAABAnAAAAAAAAAAAAAAAAAAAAAAAAAAAAAAAAAAAAAAAAAAAAABQAAAAAAAAAwMD/AAAAAABkAAAAMgAAAAAAAABkAAAAAAAAAH9/fwAKAAAAHwAAAFQAAAD///8A////AQAAAAAAAAAAAAAAAAAAAAAAAAAAAAAAAAAAAAAAAAAAAAAAAH9/fwDu7OEDzMzMAMDA/wB/f38AAAAAAAAAAAAAAAAAAAAAAAAAAAAhAAAAGAAAABQAAADQSAAAGDkAABZOAACYOgAAEAAAACYAAAAIAAAAAAAAAAAAAAA="/>
               </a:ext>
             </a:extLst>
           </p:cNvSpPr>
@@ -8035,28 +8481,317 @@
               <a:defRPr lang="de-de"/>
             </a:pPr>
             <a:fld id="{36AB98A1-EFDB-FE6E-9513-193BD65D634C}" type="slidenum">
-              <a:t>4</a:t>
+              <a:t>5</a:t>
             </a:fld>
-          </a:p>
-        </p:txBody>
-      </p:sp>
+            <a:endParaRPr/>
+          </a:p>
+        </p:txBody>
+      </p:sp>
+      <p:sp>
+        <p:nvSpPr>
+          <p:cNvPr id="6" name="Content Placeholder 5">
+            <a:extLst>
+              <a:ext uri="{FF2B5EF4-FFF2-40B4-BE49-F238E27FC236}">
+                <a16:creationId xmlns:a16="http://schemas.microsoft.com/office/drawing/2014/main" id="{2CBCAD60-2A41-4BE9-9BB9-341041C15568}"/>
+              </a:ext>
+            </a:extLst>
+          </p:cNvPr>
+          <p:cNvSpPr txBox="1">
+            <a:spLocks noChangeArrowheads="1"/>
+            <a:extLst>
+              <a:ext uri="smNativeData">
+                <pr:smNativeData xmlns="" xmlns:p14="http://schemas.microsoft.com/office/powerpoint/2010/main" xmlns:pr="smNativeData" val="SMDATA_13_eIVQYBMAAAAlAAAAZAAAAA0AAAAAAAAAAAAAAAAAAAAAAAAAAAAAAAAAAAAAAAAAAAEAAABQAAAAAAAAAAAA4D8AAAAAAADgPwAAAAAAAOA/AAAAAAAA4D8AAAAAAADgPwAAAAAAAOA/AAAAAAAA4D8AAAAAAADgPwAAAAAAAOA/AAAAAAAA4D8CAAAAjAAAAAAAAAAAAAAA////AP///wgAAAAAAAAAAAAAAAAAAAAAAAAAAAAAAAAAAAAAeAAAAAEAAABAAAAAAAAAAAAAAABaAAAAAAAAAAAAAAAAAAAAAAAAAAAAAAAAAAAAAAAAAAAAAAAAAAAAAAAAAAAAAAAAAAAAAAAAAAAAAAAAAAAAAAAAAAAAAAAAAAAAFAAAADwAAAAAAAAAAAAAAAAAAAAPAAAAAQAAACMAAAAjAAAAIwAAAB4AAAAAAAAAZAAAAGQAAAAAAAAAZAAAAGQAAAAVAAAAYAAAAAAAAAAAAAAADwAAACADAAAAAAAAAAAAAAEAAACgMgAAVgcAAKr4//8BAAAAf39/AAEAAABkAAAAAAAAABQAAABAHwAAAAAAACYAAAAAAAAAwOD//wAAAAAmAAAAZAAAABYAAABMAAAAAAAAAAAAAAAEAAAAAAAAAAEAAADu7OEKAAAAACgAAAAoAAAAZAAAAGQAAAAAAAAAzMzMAAAAAABQAAAAUAAAAGQAAABkAAAAAAAAABcAAAAUAAAAAAAAAAAAAAD/fwAA/38AAAAAAAAJAAAABAAAAAQEAAAMAAAAEAAAAAAAAAAAAAAAAAAAAAAAAAAeAAAAaAAAAAAAAAAAAAAAAAAAAAAAAAAAAAAAECcAABAnAAAAAAAAAAAAAAAAAAAAAAAAAAAAAAAAAAAAAAAAAAAAABQAAAAAAAAAwMD/AAAAAABkAAAAMgAAAAAAAABkAAAAAAAAAH9/fwAKAAAAHwAAAFQAAAD///8A////AQAAAAAAAAAAAAAAAAAAAAAAAAAAAAAAAAAAAAAAAAAAAAAAAH9/fwDu7OEDzMzMAMDA/wB/f38AAAAAAAAAAAAAAAAAAAAAAAAAAAAhAAAAGAAAABQAAADIBQAAXTYAAMcoAACANwAAEAAAACYAAAAIAAAAAAAAAAAAAAA="/>
+              </a:ext>
+            </a:extLst>
+          </p:cNvSpPr>
+          <p:nvPr/>
+        </p:nvSpPr>
+        <p:spPr>
+          <a:xfrm>
+            <a:off x="939800" y="8837295"/>
+            <a:ext cx="5688965" cy="184785"/>
+          </a:xfrm>
+          <a:prstGeom prst="rect">
+            <a:avLst/>
+          </a:prstGeom>
+          <a:noFill/>
+          <a:ln>
+            <a:noFill/>
+          </a:ln>
+          <a:effectLst/>
+        </p:spPr>
+        <p:txBody>
+          <a:bodyPr vert="horz" wrap="square" lIns="0" tIns="0" rIns="0" bIns="0" numCol="1" spcCol="215900" anchor="t">
+            <a:prstTxWarp prst="textNoShape">
+              <a:avLst/>
+            </a:prstTxWarp>
+          </a:bodyPr>
+          <a:lstStyle>
+            <a:lvl1pPr marL="0" marR="0" indent="0" algn="l" defTabSz="457200">
+              <a:lnSpc>
+                <a:spcPct val="100000"/>
+              </a:lnSpc>
+              <a:spcBef>
+                <a:spcPts val="0"/>
+              </a:spcBef>
+              <a:spcAft>
+                <a:spcPts val="0"/>
+              </a:spcAft>
+              <a:buNone/>
+              <a:tabLst/>
+              <a:defRPr lang="en-gb" sz="1200" b="0" i="0" u="none" strike="noStrike" kern="1" spc="0" baseline="0">
+                <a:solidFill>
+                  <a:srgbClr val="595959"/>
+                </a:solidFill>
+                <a:effectLst/>
+                <a:latin typeface="Calibri" pitchFamily="2" charset="0"/>
+                <a:ea typeface="Calibri" pitchFamily="2" charset="0"/>
+                <a:cs typeface="Calibri" pitchFamily="2" charset="0"/>
+              </a:defRPr>
+            </a:lvl1pPr>
+            <a:lvl2pPr marL="457200" marR="0" indent="0" algn="l" defTabSz="457200">
+              <a:lnSpc>
+                <a:spcPct val="100000"/>
+              </a:lnSpc>
+              <a:spcBef>
+                <a:spcPts val="0"/>
+              </a:spcBef>
+              <a:spcAft>
+                <a:spcPts val="0"/>
+              </a:spcAft>
+              <a:buNone/>
+              <a:tabLst/>
+              <a:defRPr lang="de-de" sz="1800" b="0" i="0" u="none" strike="noStrike" kern="1" spc="0" baseline="0">
+                <a:solidFill>
+                  <a:schemeClr val="tx1"/>
+                </a:solidFill>
+                <a:effectLst/>
+                <a:latin typeface="Calibri" pitchFamily="2" charset="0"/>
+                <a:ea typeface="Calibri" pitchFamily="2" charset="0"/>
+                <a:cs typeface="Calibri" pitchFamily="2" charset="0"/>
+              </a:defRPr>
+            </a:lvl2pPr>
+            <a:lvl3pPr marL="914400" marR="0" indent="0" algn="l" defTabSz="457200">
+              <a:lnSpc>
+                <a:spcPct val="100000"/>
+              </a:lnSpc>
+              <a:spcBef>
+                <a:spcPts val="0"/>
+              </a:spcBef>
+              <a:spcAft>
+                <a:spcPts val="0"/>
+              </a:spcAft>
+              <a:buNone/>
+              <a:tabLst/>
+              <a:defRPr lang="de-de" sz="1800" b="0" i="0" u="none" strike="noStrike" kern="1" spc="0" baseline="0">
+                <a:solidFill>
+                  <a:schemeClr val="tx1"/>
+                </a:solidFill>
+                <a:effectLst/>
+                <a:latin typeface="Calibri" pitchFamily="2" charset="0"/>
+                <a:ea typeface="Calibri" pitchFamily="2" charset="0"/>
+                <a:cs typeface="Calibri" pitchFamily="2" charset="0"/>
+              </a:defRPr>
+            </a:lvl3pPr>
+            <a:lvl4pPr marL="1371600" marR="0" indent="0" algn="l" defTabSz="457200">
+              <a:lnSpc>
+                <a:spcPct val="100000"/>
+              </a:lnSpc>
+              <a:spcBef>
+                <a:spcPts val="0"/>
+              </a:spcBef>
+              <a:spcAft>
+                <a:spcPts val="0"/>
+              </a:spcAft>
+              <a:buNone/>
+              <a:tabLst/>
+              <a:defRPr lang="de-de" sz="1800" b="0" i="0" u="none" strike="noStrike" kern="1" spc="0" baseline="0">
+                <a:solidFill>
+                  <a:schemeClr val="tx1"/>
+                </a:solidFill>
+                <a:effectLst/>
+                <a:latin typeface="Calibri" pitchFamily="2" charset="0"/>
+                <a:ea typeface="Calibri" pitchFamily="2" charset="0"/>
+                <a:cs typeface="Calibri" pitchFamily="2" charset="0"/>
+              </a:defRPr>
+            </a:lvl4pPr>
+            <a:lvl5pPr marL="1828800" marR="0" indent="0" algn="l" defTabSz="457200">
+              <a:lnSpc>
+                <a:spcPct val="100000"/>
+              </a:lnSpc>
+              <a:spcBef>
+                <a:spcPts val="0"/>
+              </a:spcBef>
+              <a:spcAft>
+                <a:spcPts val="0"/>
+              </a:spcAft>
+              <a:buNone/>
+              <a:tabLst/>
+              <a:defRPr lang="de-de" sz="1800" b="0" i="0" u="none" strike="noStrike" kern="1" spc="0" baseline="0">
+                <a:solidFill>
+                  <a:schemeClr val="tx1"/>
+                </a:solidFill>
+                <a:effectLst/>
+                <a:latin typeface="Calibri" pitchFamily="2" charset="0"/>
+                <a:ea typeface="Calibri" pitchFamily="2" charset="0"/>
+                <a:cs typeface="Calibri" pitchFamily="2" charset="0"/>
+              </a:defRPr>
+            </a:lvl5pPr>
+            <a:lvl6pPr marL="2286000" marR="0" indent="0" algn="l" defTabSz="457200">
+              <a:lnSpc>
+                <a:spcPct val="100000"/>
+              </a:lnSpc>
+              <a:spcBef>
+                <a:spcPts val="0"/>
+              </a:spcBef>
+              <a:spcAft>
+                <a:spcPts val="0"/>
+              </a:spcAft>
+              <a:buNone/>
+              <a:tabLst/>
+              <a:defRPr lang="de-de" sz="1800" b="0" i="0" u="none" strike="noStrike" kern="1" spc="0" baseline="0">
+                <a:solidFill>
+                  <a:schemeClr val="tx1"/>
+                </a:solidFill>
+                <a:effectLst/>
+                <a:latin typeface="Calibri" pitchFamily="2" charset="0"/>
+                <a:ea typeface="Calibri" pitchFamily="2" charset="0"/>
+                <a:cs typeface="Calibri" pitchFamily="2" charset="0"/>
+              </a:defRPr>
+            </a:lvl6pPr>
+            <a:lvl7pPr marL="2743200" marR="0" indent="0" algn="l" defTabSz="457200">
+              <a:lnSpc>
+                <a:spcPct val="100000"/>
+              </a:lnSpc>
+              <a:spcBef>
+                <a:spcPts val="0"/>
+              </a:spcBef>
+              <a:spcAft>
+                <a:spcPts val="0"/>
+              </a:spcAft>
+              <a:buNone/>
+              <a:tabLst/>
+              <a:defRPr lang="de-de" sz="1800" b="0" i="0" u="none" strike="noStrike" kern="1" spc="0" baseline="0">
+                <a:solidFill>
+                  <a:schemeClr val="tx1"/>
+                </a:solidFill>
+                <a:effectLst/>
+                <a:latin typeface="Calibri" pitchFamily="2" charset="0"/>
+                <a:ea typeface="Calibri" pitchFamily="2" charset="0"/>
+                <a:cs typeface="Calibri" pitchFamily="2" charset="0"/>
+              </a:defRPr>
+            </a:lvl7pPr>
+            <a:lvl8pPr marL="3200400" marR="0" indent="0" algn="l" defTabSz="457200">
+              <a:lnSpc>
+                <a:spcPct val="100000"/>
+              </a:lnSpc>
+              <a:spcBef>
+                <a:spcPts val="0"/>
+              </a:spcBef>
+              <a:spcAft>
+                <a:spcPts val="0"/>
+              </a:spcAft>
+              <a:buNone/>
+              <a:tabLst/>
+              <a:defRPr lang="de-de" sz="1800" b="0" i="0" u="none" strike="noStrike" kern="1" spc="0" baseline="0">
+                <a:solidFill>
+                  <a:schemeClr val="tx1"/>
+                </a:solidFill>
+                <a:effectLst/>
+                <a:latin typeface="Calibri" pitchFamily="2" charset="0"/>
+                <a:ea typeface="Calibri" pitchFamily="2" charset="0"/>
+                <a:cs typeface="Calibri" pitchFamily="2" charset="0"/>
+              </a:defRPr>
+            </a:lvl8pPr>
+            <a:lvl9pPr marL="3657600" marR="0" indent="0" algn="l" defTabSz="457200">
+              <a:lnSpc>
+                <a:spcPct val="100000"/>
+              </a:lnSpc>
+              <a:spcBef>
+                <a:spcPts val="0"/>
+              </a:spcBef>
+              <a:spcAft>
+                <a:spcPts val="0"/>
+              </a:spcAft>
+              <a:buNone/>
+              <a:tabLst/>
+              <a:defRPr lang="de-de" sz="1800" b="0" i="0" u="none" strike="noStrike" kern="1" spc="0" baseline="0">
+                <a:solidFill>
+                  <a:schemeClr val="tx1"/>
+                </a:solidFill>
+                <a:effectLst/>
+                <a:latin typeface="Calibri" pitchFamily="2" charset="0"/>
+                <a:ea typeface="Calibri" pitchFamily="2" charset="0"/>
+                <a:cs typeface="Calibri" pitchFamily="2" charset="0"/>
+              </a:defRPr>
+            </a:lvl9pPr>
+          </a:lstStyle>
+          <a:p>
+            <a:pPr>
+              <a:defRPr lang="en-gb"/>
+            </a:pPr>
+            <a:r>
+              <a:rPr lang="en-GB" dirty="0"/>
+              <a:t>Source: https://commons.wikimedia.org/wiki/File:Samsung_Galaxy_Watch_3.png</a:t>
+            </a:r>
+          </a:p>
+        </p:txBody>
+      </p:sp>
+      <p:pic>
+        <p:nvPicPr>
+          <p:cNvPr id="9" name="Picture 2">
+            <a:extLst>
+              <a:ext uri="{FF2B5EF4-FFF2-40B4-BE49-F238E27FC236}">
+                <a16:creationId xmlns:a16="http://schemas.microsoft.com/office/drawing/2014/main" id="{E27C64CB-738F-4D08-B50B-F82B20DC0995}"/>
+              </a:ext>
+            </a:extLst>
+          </p:cNvPr>
+          <p:cNvPicPr>
+            <a:picLocks noChangeAspect="1"/>
+            <a:extLst>
+              <a:ext uri="smNativeData">
+                <pr:smNativeData xmlns="" xmlns:p14="http://schemas.microsoft.com/office/powerpoint/2010/main" xmlns:pr="smNativeData" val="SMDATA_15_eIVQYBMAAAAlAAAAEQAAAC0AAAAAkAAAAEgAAACQAAAASAAAAAAAAAAAAAAAAAAAAAEAAABQAAAAAAAAAAAA4D8AAAAAAADgPwAAAAAAAOA/AAAAAAAA4D8AAAAAAADgPwAAAAAAAOA/AAAAAAAA4D8AAAAAAADgPwAAAAAAAOA/AAAAAAAA4D8CAAAAjAAAAAAAAAAAAAAAT4G9DP///wgAAAAAAAAAAAAAAAAAAAAAAAAAAAAAAAAAAAAAZAAAAAEAAABAAAAAAAAAAAAAAAAAAAAAAAAAAAAAAAAAAAAAAAAAAAAAAAAAAAAAAAAAAAAAAAAAAAAAAAAAAAAAAAAAAAAAAAAAAAAAAAAAAAAAAAAAAAAAAAAAAAAAFAAAADwAAAAAAAAAAAAAAAAAAAkUAAAAAQAAABQAAAAUAAAAFAAAAAEAAAAAAAAAZAAAAGQAAAAAAAAAZAAAAGQAAAAVAAAAYAAAAAAAAAAAAAAADwAAACADAAAAAAAAAAAAAAEAAACgMgAAVgcAAKr4//8BAAAAf39/AAEAAABkAAAAAAAAABQAAABAHwAAAAAAACYAAAAAAAAAwOD//wAAAAAmAAAAZAAAABYAAABMAAAAAAAAAAAAAAAEAAAAAAAAAAEAAADu7OEKAAAAACgAAAAoAAAAZAAAAGQAAAAAAAAAzMzMAAAAAABQAAAAUAAAAGQAAABkAAAAAAAAAAcAAAA4AAAAAAAAAAAAAAAAAAAA////AAAAAAAAAAAAAAAAAAAAAAAAAAAAAAAAAAAAAABkAAAAZAAAAAAAAAAjAAAABAAAAGQAAAAXAAAAFAAAAAAAAAAAAAAA/38AAP9/AAAAAAAACQAAAAQAAAAAAAAADAAAABAAAAAAAAAAAAAAAAAAAAAAAAAAHgAAAGgAAAAAAAAAAAAAAAAAAAAAAAAAAAAAABAnAAAQJwAAAAAAAAAAAAAAAAAAAAAAAAAAAAAAAAAAAAAAAAAAAAAUAAAAAAAAAMDA/wAAAAAAZAAAADIAAAAAAAAAZAAAAAAAAAB/f38ACgAAAB8AAABUAAAAT4G9Bf///wEAAAAAAAAAAAAAAAAAAAAAAAAAAAAAAAAAAAAAAAAAAAAAAAJ/f38A7uzhA8zMzADAwP8Af39/AAAAAAAAAAAAAAAAAP///wAAAAAAIQAAABgAAAAUAAAAuD4AAKUSAABzSwAAYB8AABAAAAAmAAAACAAAAP//////////"/>
+              </a:ext>
+            </a:extLst>
+          </p:cNvPicPr>
+          <p:nvPr/>
+        </p:nvPicPr>
+        <p:blipFill>
+          <a:blip r:embed="rId2"/>
+          <a:stretch>
+            <a:fillRect/>
+          </a:stretch>
+        </p:blipFill>
+        <p:spPr>
+          <a:xfrm>
+            <a:off x="8726805" y="4231005"/>
+            <a:ext cx="2899727" cy="2899727"/>
+          </a:xfrm>
+          <a:prstGeom prst="rect">
+            <a:avLst/>
+          </a:prstGeom>
+          <a:noFill/>
+          <a:ln>
+            <a:noFill/>
+          </a:ln>
+          <a:effectLst/>
+        </p:spPr>
+      </p:pic>
     </p:spTree>
+    <p:extLst>
+      <p:ext uri="{BB962C8B-B14F-4D97-AF65-F5344CB8AC3E}">
+        <p14:creationId xmlns:p14="http://schemas.microsoft.com/office/powerpoint/2010/main" val="4205683888"/>
+      </p:ext>
+    </p:extLst>
   </p:cSld>
   <p:clrMapOvr>
     <a:masterClrMapping/>
   </p:clrMapOvr>
-  <p:timing>
-    <p:tnLst>
-      <p:par>
-        <p:cTn id="1" dur="indefinite" restart="never" nodeType="tmRoot"/>
-      </p:par>
-    </p:tnLst>
-  </p:timing>
 </p:sld>
 </file>
 
-<file path=ppt/slides/slide5.xml><?xml version="1.0" encoding="utf-8"?>
-<p:sld xmlns:p="http://schemas.openxmlformats.org/presentationml/2006/main" xmlns:p14="http://schemas.microsoft.com/office/powerpoint/2010/main" xmlns:r="http://schemas.openxmlformats.org/officeDocument/2006/relationships" xmlns:a="http://schemas.openxmlformats.org/drawingml/2006/main">
+<file path=ppt/slides/slide6.xml><?xml version="1.0" encoding="utf-8"?>
+<p:sld xmlns:a="http://schemas.openxmlformats.org/drawingml/2006/main" xmlns:r="http://schemas.openxmlformats.org/officeDocument/2006/relationships" xmlns:p="http://schemas.openxmlformats.org/presentationml/2006/main">
   <p:cSld>
     <p:spTree>
       <p:nvGrpSpPr>
@@ -8079,7 +8814,7 @@
             <a:spLocks noGrp="1" noChangeArrowheads="1"/>
             <a:extLst>
               <a:ext uri="smNativeData">
-                <pr:smNativeData xmlns:pr="smNativeData" val="SMDATA_13_eIVQYBMAAAAlAAAAZAAAAA0AAAAAAAAAAAAAAAAAAAAAAAAAAAAAAAAAAAAAAAAAAAEAAABQAAAAAAAAAAAA4D8AAAAAAADgPwAAAAAAAOA/AAAAAAAA4D8AAAAAAADgPwAAAAAAAOA/AAAAAAAA4D8AAAAAAADgPwAAAAAAAOA/AAAAAAAA4D8CAAAAjAAAAAAAAAAAAAAA////AP///wgAAAAAAAAAAAAAAAAAAAAAAAAAAAAAAAAAAAAAeAAAAAEAAABAAAAAAAAAAAAAAABaAAAAAAAAAAAAAAAAAAAAAAAAAAAAAAAAAAAAAAAAAAAAAAAAAAAAAAAAAAAAAAAAAAAAAAAAAAAAAAAAAAAAAAAAAAAAAAAAAAAAFAAAADwAAAAAAAAAAAAAAAAAAAAPAAAAAQAAACMAAAAjAAAAIwAAAB4AAAAAAAAAZAAAAGQAAAAAAAAAZAAAAGQAAAAVAAAAYAAAAAAAAAAAAAAADwAAACADAAAAAAAAAAAAAAEAAACgMgAAVgcAAKr4//8BAAAAf39/AAEAAABkAAAAAAAAABQAAABAHwAAAAAAACYAAAAAAAAAwOD//wAAAAAmAAAAZAAAABYAAABMAAAAAAAAAAAAAAAEAAAAAAAAAAEAAADu7OEKAAAAACgAAAAoAAAAZAAAAGQAAAAAAAAAzMzMAAAAAABQAAAAUAAAAGQAAABkAAAAAAAAABcAAAAUAAAAAAAAAAAAAAD/fwAA/38AAAAAAAAJAAAABAAAAAAAAAAMAAAAEAAAAAAAAAAAAAAAAAAAAAAAAAAeAAAAaAAAAAAAAAAAAAAAAAAAAAAAAAAAAAAAECcAABAnAAAAAAAAAAAAAAAAAAAAAAAAAAAAAAAAAAAAAAAAAAAAABQAAAAAAAAAwMD/AAAAAABkAAAAMgAAAAAAAABkAAAAAAAAAH9/fwAKAAAAHwAAAFQAAAD///8A////AQAAAAAAAAAAAAAAAAAAAAAAAAAAAAAAAAAAAAAAAAAAAAAAAH9/fwDu7OEDzMzMAMDA/wB/f38AAAAAAAAAAAAAAAAAAAAAAAAAAAAhAAAAGAAAABQAAADIBQAAiQsAAHpIAACpDwAAEAAAACYAAAAIAAAAAQAAAAAAAAA="/>
+                <pr:smNativeData xmlns:pr="smNativeData" xmlns:p14="http://schemas.microsoft.com/office/powerpoint/2010/main" xmlns="" val="SMDATA_13_eIVQYBMAAAAlAAAAZAAAAA0AAAAAAAAAAAAAAAAAAAAAAAAAAAAAAAAAAAAAAAAAAAEAAABQAAAAAAAAAAAA4D8AAAAAAADgPwAAAAAAAOA/AAAAAAAA4D8AAAAAAADgPwAAAAAAAOA/AAAAAAAA4D8AAAAAAADgPwAAAAAAAOA/AAAAAAAA4D8CAAAAjAAAAAAAAAAAAAAA////AP///wgAAAAAAAAAAAAAAAAAAAAAAAAAAAAAAAAAAAAAeAAAAAEAAABAAAAAAAAAAAAAAABaAAAAAAAAAAAAAAAAAAAAAAAAAAAAAAAAAAAAAAAAAAAAAAAAAAAAAAAAAAAAAAAAAAAAAAAAAAAAAAAAAAAAAAAAAAAAAAAAAAAAFAAAADwAAAAAAAAAAAAAAAAAAAAPAAAAAQAAACMAAAAjAAAAIwAAAB4AAAAAAAAAZAAAAGQAAAAAAAAAZAAAAGQAAAAVAAAAYAAAAAAAAAAAAAAADwAAACADAAAAAAAAAAAAAAEAAACgMgAAVgcAAKr4//8BAAAAf39/AAEAAABkAAAAAAAAABQAAABAHwAAAAAAACYAAAAAAAAAwOD//wAAAAAmAAAAZAAAABYAAABMAAAAAAAAAAAAAAAEAAAAAAAAAAEAAADu7OEKAAAAACgAAAAoAAAAZAAAAGQAAAAAAAAAzMzMAAAAAABQAAAAUAAAAGQAAABkAAAAAAAAABcAAAAUAAAAAAAAAAAAAAD/fwAA/38AAAAAAAAJAAAABAAAAAAAAAAMAAAAEAAAAAAAAAAAAAAAAAAAAAAAAAAeAAAAaAAAAAAAAAAAAAAAAAAAAAAAAAAAAAAAECcAABAnAAAAAAAAAAAAAAAAAAAAAAAAAAAAAAAAAAAAAAAAAAAAABQAAAAAAAAAwMD/AAAAAABkAAAAMgAAAAAAAABkAAAAAAAAAH9/fwAKAAAAHwAAAFQAAAD///8A////AQAAAAAAAAAAAAAAAAAAAAAAAAAAAAAAAAAAAAAAAAAAAAAAAH9/fwDu7OEDzMzMAMDA/wB/f38AAAAAAAAAAAAAAAAAAAAAAAAAAAAhAAAAGAAAABQAAADIBQAAiQsAAHpIAACpDwAAEAAAACYAAAAIAAAAAQAAAAAAAAA="/>
               </a:ext>
             </a:extLst>
           </p:cNvSpPr>
@@ -8101,7 +8836,7 @@
               <a:defRPr lang="en-gb"/>
             </a:pPr>
             <a:r>
-              <a:t>Foundations – Tizen applications</a:t>
+              <a:t>Related work</a:t>
             </a:r>
           </a:p>
         </p:txBody>
@@ -8113,7 +8848,7 @@
             <a:spLocks noGrp="1" noChangeArrowheads="1"/>
             <a:extLst>
               <a:ext uri="smNativeData">
-                <pr:smNativeData xmlns:pr="smNativeData" val="SMDATA_13_eIVQYBMAAAAlAAAAZAAAAA0AAAAAAAAAAAAAAAAAAAAAAAAAAAAAAAAAAAAAAAAAAAEAAABQAAAAAAAAAAAA4D8AAAAAAADgPwAAAAAAAOA/AAAAAAAA4D8AAAAAAADgPwAAAAAAAOA/AAAAAAAA4D8AAAAAAADgPwAAAAAAAOA/AAAAAAAA4D8CAAAAjAAAAAAAAAAAAAAA////AP///wgAAAAAAAAAAAAAAAAAAAAAAAAAAAAAAAAAAAAAeAAAAAEAAABAAAAAAAAAAAAAAABaAAAAAAAAAAAAAAAAAAAAAAAAAAAAAAAAAAAAAAAAAAAAAAAAAAAAAAAAAAAAAAAAAAAAAAAAAAAAAAAAAAAAAAAAAAAAAAAAAAAAFAAAADwAAAAAAAAAAAAAAAAAAAAPAAAAAQAAACMAAAAjAAAAIwAAAB4AAAAAAAAAZAAAAGQAAAAAAAAAZAAAAGQAAAAVAAAAYAAAAAAAAAAAAAAADwAAACADAAAAAAAAAAAAAAEAAACgMgAAVgcAAKr4//8BAAAAf39/AAEAAABkAAAAAAAAABQAAABAHwAAAAAAACYAAAAAAAAAwOD//wAAAAAmAAAAZAAAABYAAABMAAAAAAAAAAAAAAAEAAAAAAAAAAEAAADu7OEKAAAAACgAAAAoAAAAZAAAAGQAAAAAAAAAzMzMAAAAAABQAAAAUAAAAGQAAABkAAAAAAAAABcAAAAUAAAAAAAAAAAAAAD/fwAA/38AAAAAAAAJAAAABAAAAAAAAAAMAAAAEAAAAAAAAAAAAAAAAAAAAAAAAAAeAAAAaAAAAAAAAAAAAAAAAAAAAAAAAAAAAAAAECcAABAnAAAAAAAAAAAAAAAAAAAAAAAAAAAAAAAAAAAAAAAAAAAAABQAAAAAAAAAwMD/AAAAAABkAAAAMgAAAAAAAABkAAAAAAAAAH9/fwAKAAAAHwAAAFQAAAD///8A////AQAAAAAAAAAAAAAAAAAAAAAAAAAAAAAAAAAAAAAAAAAAAAAAAH9/fwDu7OEDzMzMAMDA/wB/f38AAAAAAAAAAAAAAAAAAAAAAAAAAAAhAAAAGAAAABQAAADIBQAAyRIAAGRIAADaNQAAAAAAACYAAAAIAAAAAYAAAAAAAAA="/>
+                <pr:smNativeData xmlns:pr="smNativeData" xmlns:p14="http://schemas.microsoft.com/office/powerpoint/2010/main" xmlns="" val="SMDATA_13_eIVQYBMAAAAlAAAAZAAAAA0AAAAAAAAAAAAAAAAAAAAAAAAAAAAAAAAAAAAAAAAAAAEAAABQAAAAAAAAAAAA4D8AAAAAAADgPwAAAAAAAOA/AAAAAAAA4D8AAAAAAADgPwAAAAAAAOA/AAAAAAAA4D8AAAAAAADgPwAAAAAAAOA/AAAAAAAA4D8CAAAAjAAAAAAAAAAAAAAA////AP///wgAAAAAAAAAAAAAAAAAAAAAAAAAAAAAAAAAAAAAeAAAAAEAAABAAAAAAAAAAAAAAABaAAAAAAAAAAAAAAAAAAAAAAAAAAAAAAAAAAAAAAAAAAAAAAAAAAAAAAAAAAAAAAAAAAAAAAAAAAAAAAAAAAAAAAAAAAAAAAAAAAAAFAAAADwAAAAAAAAAAAAAAAAAAAAPAAAAAQAAACMAAAAjAAAAIwAAAB4AAAAAAAAAZAAAAGQAAAAAAAAAZAAAAGQAAAAVAAAAYAAAAAAAAAAAAAAADwAAACADAAAAAAAAAAAAAAEAAACgMgAAVgcAAKr4//8BAAAAf39/AAEAAABkAAAAAAAAABQAAABAHwAAAAAAACYAAAAAAAAAwOD//wAAAAAmAAAAZAAAABYAAABMAAAAAAAAAAAAAAAEAAAAAAAAAAEAAADu7OEKAAAAACgAAAAoAAAAZAAAAGQAAAAAAAAAzMzMAAAAAABQAAAAUAAAAGQAAABkAAAAAAAAABcAAAAUAAAAAAAAAAAAAAD/fwAA/38AAAAAAAAJAAAABAAAAAAAAAAMAAAAEAAAAAAAAAAAAAAAAAAAAAAAAAAeAAAAaAAAAAAAAAAAAAAAAAAAAAAAAAAAAAAAECcAABAnAAAAAAAAAAAAAAAAAAAAAAAAAAAAAAAAAAAAAAAAAAAAABQAAAAAAAAAwMD/AAAAAABkAAAAMgAAAAAAAABkAAAAAAAAAH9/fwAKAAAAHwAAAFQAAAD///8A////AQAAAAAAAAAAAAAAAAAAAAAAAAAAAAAAAAAAAAAAAAAAAAAAAH9/fwDu7OEDzMzMAMDA/wB/f38AAAAAAAAAAAAAAAAAAAAAAAAAAAAhAAAAGAAAABQAAADIBQAAwBIAAHpIAACYNwAAEAAAACYAAAAIAAAAAYAAAAAAAAA="/>
               </a:ext>
             </a:extLst>
           </p:cNvSpPr>
@@ -8123,8 +8858,8 @@
         </p:nvSpPr>
         <p:spPr>
           <a:xfrm>
-            <a:off x="939800" y="3053715"/>
-            <a:ext cx="10828020" cy="5700395"/>
+            <a:off x="939800" y="3048000"/>
+            <a:ext cx="10841990" cy="5989320"/>
           </a:xfrm>
         </p:spPr>
         <p:txBody>
@@ -8141,7 +8876,7 @@
                 <a:schemeClr val="accent1"/>
               </a:buClr>
               <a:buSzPts val="2910"/>
-              <a:buFont typeface="Wingdings" pitchFamily="0" charset="0"/>
+              <a:buFont typeface="Wingdings" charset="0"/>
               <a:buChar char="§"/>
               <a:tabLst/>
               <a:defRPr lang="de-de" sz="2800" b="0" i="0" baseline="0">
@@ -8172,7 +8907,7 @@
               <a:lnSpc>
                 <a:spcPct val="150000"/>
               </a:lnSpc>
-              <a:buFont typeface="Wingdings" pitchFamily="0" charset="0"/>
+              <a:buFont typeface="Wingdings" charset="0"/>
               <a:buChar char="§"/>
               <a:defRPr lang="de-de" sz="2000" b="0" i="0" baseline="0">
                 <a:solidFill>
@@ -8207,14 +8942,8 @@
               <a:defRPr lang="de-de"/>
             </a:pPr>
             <a:r>
-              <a:t>Native applications </a:t>
-            </a:r>
-            <a:r>
-              <a:rPr lang="en-gb"/>
-              <a:t>–</a:t>
-            </a:r>
-            <a:r>
-              <a:t> C/C++ based</a:t>
+              <a:rPr dirty="0"/>
+              <a:t>Users have wearable privacy concerns [1], [2]</a:t>
             </a:r>
           </a:p>
           <a:p>
@@ -8222,63 +8951,81 @@
               <a:defRPr lang="de-de"/>
             </a:pPr>
             <a:r>
-              <a:t>Advantages</a:t>
+              <a:rPr dirty="0"/>
+              <a:t>But also misunderstandings and false beliefs [8]</a:t>
             </a:r>
           </a:p>
           <a:p>
             <a:pPr lvl="1">
-              <a:defRPr lang="de-de"/>
-            </a:pPr>
-            <a:r>
-              <a:t>Disadvantages</a:t>
-            </a:r>
-          </a:p>
-          <a:p>
-            <a:pPr>
-              <a:defRPr lang="de-de"/>
-            </a:pPr>
-            <a:r>
-              <a:t>Web applications – HTML5 based</a:t>
+              <a:buChar char="→"/>
+              <a:defRPr lang="de-de"/>
+            </a:pPr>
+            <a:r>
+              <a:rPr dirty="0"/>
+              <a:t> Important to raise awareness</a:t>
+            </a:r>
+          </a:p>
+          <a:p>
+            <a:pPr>
+              <a:defRPr lang="de-de"/>
+            </a:pPr>
+            <a:r>
+              <a:rPr lang="en-gb" dirty="0"/>
+              <a:t>Various apps giving context-dependent feedback</a:t>
             </a:r>
           </a:p>
           <a:p>
             <a:pPr lvl="1">
-              <a:defRPr lang="de-de"/>
-            </a:pPr>
-            <a:r>
-              <a:t>Advantages</a:t>
+              <a:defRPr lang="en-gb"/>
+            </a:pPr>
+            <a:r>
+              <a:rPr dirty="0"/>
+              <a:t>Haptic feedback for pedestrian navigation [3]</a:t>
             </a:r>
           </a:p>
           <a:p>
             <a:pPr lvl="1">
-              <a:defRPr lang="de-de"/>
-            </a:pPr>
-            <a:r>
-              <a:t>Disadvantages</a:t>
-            </a:r>
-          </a:p>
-          <a:p>
-            <a:pPr>
-              <a:defRPr lang="de-de"/>
-            </a:pPr>
-            <a:r>
-              <a:t>.Net applications – C# based</a:t>
+              <a:defRPr lang="en-gb"/>
+            </a:pPr>
+            <a:r>
+              <a:rPr dirty="0"/>
+              <a:t>Visual and haptic feedback to assist deaf people [4]</a:t>
             </a:r>
           </a:p>
           <a:p>
             <a:pPr lvl="1">
-              <a:defRPr lang="de-de"/>
-            </a:pPr>
-            <a:r>
-              <a:t>Advantages</a:t>
+              <a:defRPr lang="en-gb"/>
+            </a:pPr>
+            <a:r>
+              <a:rPr dirty="0"/>
+              <a:t>Visual feedback to assist rescuers during CPR [5]</a:t>
+            </a:r>
+          </a:p>
+          <a:p>
+            <a:pPr>
+              <a:defRPr lang="en-gb"/>
+            </a:pPr>
+            <a:r>
+              <a:rPr dirty="0"/>
+              <a:t>Both together?</a:t>
             </a:r>
           </a:p>
           <a:p>
             <a:pPr lvl="1">
-              <a:defRPr lang="de-de"/>
-            </a:pPr>
-            <a:r>
-              <a:t>Disadvantages</a:t>
+              <a:defRPr lang="en-gb"/>
+            </a:pPr>
+            <a:r>
+              <a:rPr dirty="0"/>
+              <a:t>Study to question the impact of timing of privacy feedback on UX [7]</a:t>
+            </a:r>
+          </a:p>
+          <a:p>
+            <a:pPr lvl="1">
+              <a:defRPr lang="en-gb"/>
+            </a:pPr>
+            <a:r>
+              <a:rPr dirty="0"/>
+              <a:t>Serious game to raise awareness [6]</a:t>
             </a:r>
           </a:p>
         </p:txBody>
@@ -8290,7 +9037,7 @@
             <a:spLocks noGrp="1" noChangeArrowheads="1"/>
             <a:extLst>
               <a:ext uri="smNativeData">
-                <pr:smNativeData xmlns:pr="smNativeData" val="SMDATA_13_eIVQYBMAAAAlAAAAZAAAAA0AAAAAAAAAAAAAAAAAAAAAAAAAAAAAAAAAAAAAAAAAAAEAAABQAAAAAAAAAAAA4D8AAAAAAADgPwAAAAAAAOA/AAAAAAAA4D8AAAAAAADgPwAAAAAAAOA/AAAAAAAA4D8AAAAAAADgPwAAAAAAAOA/AAAAAAAA4D8CAAAAjAAAAAAAAAAAAAAA////AP///wgAAAAAAAAAAAAAAAAAAAAAAAAAAAAAAAAAAAAAeAAAAAEAAABAAAAAAAAAAAAAAABaAAAAAAAAAAAAAAAAAAAAAAAAAAAAAAAAAAAAAAAAAAAAAAAAAAAAAAAAAAAAAAAAAAAAAAAAAAAAAAAAAAAAAAAAAAAAAAAAAAAAFAAAADwAAAAAAAAAAAAAAAAAAAAPAAAAAQAAACMAAAAjAAAAIwAAAB4AAAAAAAAAZAAAAGQAAAAAAAAAZAAAAGQAAAAVAAAAYAAAAAAAAAAAAAAADwAAACADAAAAAAAAAAAAAAEAAACgMgAAVgcAAKr4//8BAAAAf39/AAEAAABkAAAAAAAAABQAAABAHwAAAAAAACYAAAAAAAAAwOD//wAAAAAmAAAAZAAAABYAAABMAAAAAAAAAAAAAAAEAAAAAAAAAAEAAADu7OEKAAAAACgAAAAoAAAAZAAAAGQAAAAAAAAAzMzMAAAAAABQAAAAUAAAAGQAAABkAAAAAAAAABcAAAAUAAAAAAAAAAAAAAD/fwAA/38AAAAAAAAJAAAABAAAAAAAAAAMAAAAEAAAAAAAAAAAAAAAAAAAAAAAAAAeAAAAaAAAAAAAAAAAAAAAAAAAAAAAAAAAAAAAECcAABAnAAAAAAAAAAAAAAAAAAAAAAAAAAAAAAAAAAAAAAAAAAAAABQAAAAAAAAAwMD/AAAAAABkAAAAMgAAAAAAAABkAAAAAAAAAH9/fwAKAAAAHwAAAFQAAAD///8A////AQAAAAAAAAAAAAAAAAAAAAAAAAAAAAAAAAAAAAAAAAAAAAAAAH9/fwDu7OEDzMzMAMDA/wB/f38AAAAAAAAAAAAAAAAAAAAAAAAAAAAhAAAAGAAAABQAAADqAQAA4DgAAPAKAACYOgAAEAAAACYAAAAIAAAAAAAAAAAAAAA="/>
+                <pr:smNativeData xmlns:pr="smNativeData" xmlns:p14="http://schemas.microsoft.com/office/powerpoint/2010/main" xmlns="" val="SMDATA_13_eIVQYBMAAAAlAAAAZAAAAA0AAAAAAAAAAAAAAAAAAAAAAAAAAAAAAAAAAAAAAAAAAAEAAABQAAAAAAAAAAAA4D8AAAAAAADgPwAAAAAAAOA/AAAAAAAA4D8AAAAAAADgPwAAAAAAAOA/AAAAAAAA4D8AAAAAAADgPwAAAAAAAOA/AAAAAAAA4D8CAAAAjAAAAAAAAAAAAAAA////AP///wgAAAAAAAAAAAAAAAAAAAAAAAAAAAAAAAAAAAAAeAAAAAEAAABAAAAAAAAAAAAAAABaAAAAAAAAAAAAAAAAAAAAAAAAAAAAAAAAAAAAAAAAAAAAAAAAAAAAAAAAAAAAAAAAAAAAAAAAAAAAAAAAAAAAAAAAAAAAAAAAAAAAFAAAADwAAAAAAAAAAAAAAAAAAAAPAAAAAQAAACMAAAAjAAAAIwAAAB4AAAAAAAAAZAAAAGQAAAAAAAAAZAAAAGQAAAAVAAAAYAAAAAAAAAAAAAAADwAAACADAAAAAAAAAAAAAAEAAACgMgAAVgcAAKr4//8BAAAAf39/AAEAAABkAAAAAAAAABQAAABAHwAAAAAAACYAAAAAAAAAwOD//wAAAAAmAAAAZAAAABYAAABMAAAAAAAAAAAAAAAEAAAAAAAAAAEAAADu7OEKAAAAACgAAAAoAAAAZAAAAGQAAAAAAAAAzMzMAAAAAABQAAAAUAAAAGQAAABkAAAAAAAAABcAAAAUAAAAAAAAAAAAAAD/fwAA/38AAAAAAAAJAAAABAAAAAAAAAAMAAAAEAAAAAAAAAAAAAAAAAAAAAAAAAAeAAAAaAAAAAAAAAAAAAAAAAAAAAAAAAAAAAAAECcAABAnAAAAAAAAAAAAAAAAAAAAAAAAAAAAAAAAAAAAAAAAAAAAABQAAAAAAAAAwMD/AAAAAABkAAAAMgAAAAAAAABkAAAAAAAAAH9/fwAKAAAAHwAAAFQAAAD///8A////AQAAAAAAAAAAAAAAAAAAAAAAAAAAAAAAAAAAAAAAAAAAAAAAAH9/fwDu7OEDzMzMAMDA/wB/f38AAAAAAAAAAAAAAAAAAAAAAAAAAAAhAAAAGAAAABQAAADqAQAA4DgAAPAKAACYOgAAEAAAACYAAAAIAAAAAAAAAAAAAAA="/>
               </a:ext>
             </a:extLst>
           </p:cNvSpPr>
@@ -8319,7 +9066,7 @@
             <a:spLocks noGrp="1" noChangeArrowheads="1"/>
             <a:extLst>
               <a:ext uri="smNativeData">
-                <pr:smNativeData xmlns:pr="smNativeData" val="SMDATA_13_eIVQYBMAAAAlAAAAZAAAAA0AAAAAAAAAAAAAAAAAAAAAAAAAAAAAAAAAAAAAAAAAAAEAAABQAAAAAAAAAAAA4D8AAAAAAADgPwAAAAAAAOA/AAAAAAAA4D8AAAAAAADgPwAAAAAAAOA/AAAAAAAA4D8AAAAAAADgPwAAAAAAAOA/AAAAAAAA4D8CAAAAjAAAAAAAAAAAAAAA////AP///wgAAAAAAAAAAAAAAAAAAAAAAAAAAAAAAAAAAAAAeAAAAAEAAABAAAAAAAAAAAAAAABaAAAAAAAAAAAAAAAAAAAAAAAAAAAAAAAAAAAAAAAAAAAAAAAAAAAAAAAAAAAAAAAAAAAAAAAAAAAAAAAAAAAAAAAAAAAAAAAAAAAAFAAAADwAAAAAAAAAAAAAAAAAAAAPAAAAAQAAACMAAAAjAAAAIwAAAB4AAAAAAAAAZAAAAGQAAAAAAAAAZAAAAGQAAAAVAAAAYAAAAAAAAAAAAAAADwAAACADAAAAAAAAAAAAAAEAAACgMgAAVgcAAKr4//8BAAAAf39/AAEAAABkAAAAAAAAABQAAABAHwAAAAAAACYAAAAAAAAAwOD//wAAAAAmAAAAZAAAABYAAABMAAAAAAAAAAAAAAAEAAAAAAAAAAEAAADu7OEKAAAAACgAAAAoAAAAZAAAAGQAAAAAAAAAzMzMAAAAAABQAAAAUAAAAGQAAABkAAAAAAAAABcAAAAUAAAAAAAAAAAAAAD/fwAA/38AAAAAAAAJAAAABAAAAAAAAAAMAAAAEAAAAAAAAAAAAAAAAAAAAAAAAAAeAAAAaAAAAAAAAAAAAAAAAAAAAAAAAAAAAAAAECcAABAnAAAAAAAAAAAAAAAAAAAAAAAAAAAAAAAAAAAAAAAAAAAAABQAAAAAAAAAwMD/AAAAAABkAAAAMgAAAAAAAABkAAAAAAAAAH9/fwAKAAAAHwAAAFQAAAD///8A////AQAAAAAAAAAAAAAAAAAAAAAAAAAAAAAAAAAAAAAAAAAAAAAAAH9/fwDu7OEDzMzMAMDA/wB/f38AAAAAAAAAAAAAAAAAAAAAAAAAAAAhAAAAGAAAABQAAADQSAAAGDkAABZOAACYOgAAEAAAACYAAAAIAAAAAAAAAAAAAAA="/>
+                <pr:smNativeData xmlns:pr="smNativeData" xmlns:p14="http://schemas.microsoft.com/office/powerpoint/2010/main" xmlns="" val="SMDATA_13_eIVQYBMAAAAlAAAAZAAAAA0AAAAAAAAAAAAAAAAAAAAAAAAAAAAAAAAAAAAAAAAAAAEAAABQAAAAAAAAAAAA4D8AAAAAAADgPwAAAAAAAOA/AAAAAAAA4D8AAAAAAADgPwAAAAAAAOA/AAAAAAAA4D8AAAAAAADgPwAAAAAAAOA/AAAAAAAA4D8CAAAAjAAAAAAAAAAAAAAA////AP///wgAAAAAAAAAAAAAAAAAAAAAAAAAAAAAAAAAAAAAeAAAAAEAAABAAAAAAAAAAAAAAABaAAAAAAAAAAAAAAAAAAAAAAAAAAAAAAAAAAAAAAAAAAAAAAAAAAAAAAAAAAAAAAAAAAAAAAAAAAAAAAAAAAAAAAAAAAAAAAAAAAAAFAAAADwAAAAAAAAAAAAAAAAAAAAPAAAAAQAAACMAAAAjAAAAIwAAAB4AAAAAAAAAZAAAAGQAAAAAAAAAZAAAAGQAAAAVAAAAYAAAAAAAAAAAAAAADwAAACADAAAAAAAAAAAAAAEAAACgMgAAVgcAAKr4//8BAAAAf39/AAEAAABkAAAAAAAAABQAAABAHwAAAAAAACYAAAAAAAAAwOD//wAAAAAmAAAAZAAAABYAAABMAAAAAAAAAAAAAAAEAAAAAAAAAAEAAADu7OEKAAAAACgAAAAoAAAAZAAAAGQAAAAAAAAAzMzMAAAAAABQAAAAUAAAAGQAAABkAAAAAAAAABcAAAAUAAAAAAAAAAAAAAD/fwAA/38AAAAAAAAJAAAABAAAAAAAAAAMAAAAEAAAAAAAAAAAAAAAAAAAAAAAAAAeAAAAaAAAAAAAAAAAAAAAAAAAAAAAAAAAAAAAECcAABAnAAAAAAAAAAAAAAAAAAAAAAAAAAAAAAAAAAAAAAAAAAAAABQAAAAAAAAAwMD/AAAAAABkAAAAMgAAAAAAAABkAAAAAAAAAH9/fwAKAAAAHwAAAFQAAAD///8A////AQAAAAAAAAAAAAAAAAAAAAAAAAAAAAAAAAAAAAAAAAAAAAAAAH9/fwDu7OEDzMzMAMDA/wB/f38AAAAAAAAAAAAAAAAAAAAAAAAAAAAhAAAAGAAAABQAAADQSAAAGDkAABZOAACYOgAAEAAAACYAAAAIAAAAAAAAAAAAAAA="/>
               </a:ext>
             </a:extLst>
           </p:cNvSpPr>
@@ -8335,63 +9082,23 @@
             <a:pPr>
               <a:defRPr lang="de-de"/>
             </a:pPr>
-            <a:fld id="{7D454570-3E90-10B3-DEFD-C8E60BB3289D}" type="slidenum">
-              <a:t>5</a:t>
+            <a:fld id="{06C68E86-C8EB-9378-A57E-3E2DC030536B}" type="slidenum">
+              <a:t>6</a:t>
             </a:fld>
-          </a:p>
-        </p:txBody>
-      </p:sp>
-      <p:pic>
-        <p:nvPicPr>
-          <p:cNvPr id="6" name="Picture 2"/>
-          <p:cNvPicPr>
-            <a:picLocks noChangeAspect="1"/>
-            <a:extLst>
-              <a:ext uri="smNativeData">
-                <pr:smNativeData xmlns:pr="smNativeData" val="SMDATA_15_eIVQYBMAAAAlAAAAEQAAAC0AAAAAkAAAAEgAAACQAAAASAAAAAAAAAAAAAAAAAAAAAEAAABQAAAAAAAAAAAA4D8AAAAAAADgPwAAAAAAAOA/AAAAAAAA4D8AAAAAAADgPwAAAAAAAOA/AAAAAAAA4D8AAAAAAADgPwAAAAAAAOA/AAAAAAAA4D8CAAAAjAAAAAAAAAAAAAAAT4G9DP///wgAAAAAAAAAAAAAAAAAAAAAAAAAAAAAAAAAAAAAZAAAAAEAAABAAAAAAAAAAAAAAAAAAAAAAAAAAAAAAAAAAAAAAAAAAAAAAAAAAAAAAAAAAAAAAAAAAAAAAAAAAAAAAAAAAAAAAAAAAAAAAAAAAAAAAAAAAAAAAAAAAAAAFAAAADwAAAAAAAAAAAAAAAAAAAkUAAAAAQAAABQAAAAUAAAAFAAAAAEAAAAAAAAAZAAAAGQAAAAAAAAAZAAAAGQAAAAVAAAAYAAAAAAAAAAAAAAADwAAACADAAAAAAAAAAAAAAEAAACgMgAAVgcAAKr4//8BAAAAf39/AAEAAABkAAAAAAAAABQAAABAHwAAAAAAACYAAAAAAAAAwOD//wAAAAAmAAAAZAAAABYAAABMAAAAAAAAAAAAAAAEAAAAAAAAAAEAAADu7OEKAAAAACgAAAAoAAAAZAAAAGQAAAAAAAAAzMzMAAAAAABQAAAAUAAAAGQAAABkAAAAAAAAAAcAAAA4AAAAAAAAAAAAAAAAAAAA////AAAAAAAAAAAAAAAAAAAAAAAAAAAAAAAAAAAAAABkAAAAZAAAAAAAAAAjAAAABAAAAGQAAAAXAAAAFAAAAAAAAAAAAAAA/38AAP9/AAAAAAAACQAAAAQAAAAAAAAADAAAABAAAAAAAAAAAAAAAAAAAAAAAAAAHgAAAGgAAAAAAAAAAAAAAAAAAAAAAAAAAAAAABAnAAAQJwAAAAAAAAAAAAAAAAAAAAAAAAAAAAAAAAAAAAAAAAAAAAAUAAAAAAAAAMDA/wAAAAAAZAAAADIAAAAAAAAAZAAAAAAAAAB/f38ACgAAAB8AAABUAAAAT4G9Bf///wEAAAAAAAAAAAAAAAAAAAAAAAAAAAAAAAAAAAAAAAAAAAAAAAJ/f38A7uzhA8zMzADAwP8Af39/AAAAAAAAAAAAAAAAAP///wAAAAAAIQAAABgAAAAUAAAAuD4AAKUSAABzSwAAYB8AABAAAAAmAAAACAAAAP//////////"/>
-              </a:ext>
-            </a:extLst>
-          </p:cNvPicPr>
-          <p:nvPr/>
-        </p:nvPicPr>
-        <p:blipFill>
-          <a:blip r:embed="rId2"/>
-          <a:stretch>
-            <a:fillRect/>
-          </a:stretch>
-        </p:blipFill>
-        <p:spPr>
-          <a:xfrm>
-            <a:off x="10195560" y="3030855"/>
-            <a:ext cx="2069465" cy="2069465"/>
-          </a:xfrm>
-          <a:prstGeom prst="rect">
-            <a:avLst/>
-          </a:prstGeom>
-          <a:noFill/>
-          <a:ln>
-            <a:noFill/>
-          </a:ln>
-          <a:effectLst/>
-        </p:spPr>
-      </p:pic>
+            <a:endParaRPr/>
+          </a:p>
+        </p:txBody>
+      </p:sp>
     </p:spTree>
   </p:cSld>
   <p:clrMapOvr>
     <a:masterClrMapping/>
   </p:clrMapOvr>
-  <p:timing>
-    <p:tnLst>
-      <p:par>
-        <p:cTn id="1" dur="indefinite" restart="never" nodeType="tmRoot"/>
-      </p:par>
-    </p:tnLst>
-  </p:timing>
 </p:sld>
 </file>
 
-<file path=ppt/slides/slide6.xml><?xml version="1.0" encoding="utf-8"?>
-<p:sld xmlns:p="http://schemas.openxmlformats.org/presentationml/2006/main" xmlns:p14="http://schemas.microsoft.com/office/powerpoint/2010/main" xmlns:r="http://schemas.openxmlformats.org/officeDocument/2006/relationships" xmlns:a="http://schemas.openxmlformats.org/drawingml/2006/main">
+<file path=ppt/slides/slide7.xml><?xml version="1.0" encoding="utf-8"?>
+<p:sld xmlns:a="http://schemas.openxmlformats.org/drawingml/2006/main" xmlns:r="http://schemas.openxmlformats.org/officeDocument/2006/relationships" xmlns:p="http://schemas.openxmlformats.org/presentationml/2006/main">
   <p:cSld>
     <p:spTree>
       <p:nvGrpSpPr>
@@ -8414,7 +9121,7 @@
             <a:spLocks noGrp="1" noChangeArrowheads="1"/>
             <a:extLst>
               <a:ext uri="smNativeData">
-                <pr:smNativeData xmlns:pr="smNativeData" val="SMDATA_13_eIVQYBMAAAAlAAAAZAAAAA0AAAAAAAAAAAAAAAAAAAAAAAAAAAAAAAAAAAAAAAAAAAEAAABQAAAAAAAAAAAA4D8AAAAAAADgPwAAAAAAAOA/AAAAAAAA4D8AAAAAAADgPwAAAAAAAOA/AAAAAAAA4D8AAAAAAADgPwAAAAAAAOA/AAAAAAAA4D8CAAAAjAAAAAAAAAAAAAAA////AP///wgAAAAAAAAAAAAAAAAAAAAAAAAAAAAAAAAAAAAAeAAAAAEAAABAAAAAAAAAAAAAAABaAAAAAAAAAAAAAAAAAAAAAAAAAAAAAAAAAAAAAAAAAAAAAAAAAAAAAAAAAAAAAAAAAAAAAAAAAAAAAAAAAAAAAAAAAAAAAAAAAAAAFAAAADwAAAAAAAAAAAAAAAAAAAAPAAAAAQAAACMAAAAjAAAAIwAAAB4AAAAAAAAAZAAAAGQAAAAAAAAAZAAAAGQAAAAVAAAAYAAAAAAAAAAAAAAADwAAACADAAAAAAAAAAAAAAEAAACgMgAAVgcAAKr4//8BAAAAf39/AAEAAABkAAAAAAAAABQAAABAHwAAAAAAACYAAAAAAAAAwOD//wAAAAAmAAAAZAAAABYAAABMAAAAAAAAAAAAAAAEAAAAAAAAAAEAAADu7OEKAAAAACgAAAAoAAAAZAAAAGQAAAAAAAAAzMzMAAAAAABQAAAAUAAAAGQAAABkAAAAAAAAABcAAAAUAAAAAAAAAAAAAAD/fwAA/38AAAAAAAAJAAAABAAAAP///wAMAAAAEAAAAAAAAAAAAAAAAAAAAAAAAAAeAAAAaAAAAAAAAAAAAAAAAAAAAAAAAAAAAAAAECcAABAnAAAAAAAAAAAAAAAAAAAAAAAAAAAAAAAAAAAAAAAAAAAAABQAAAAAAAAAwMD/AAAAAABkAAAAMgAAAAAAAABkAAAAAAAAAH9/fwAKAAAAHwAAAFQAAAD///8A////AQAAAAAAAAAAAAAAAAAAAAAAAAAAAAAAAAAAAAAAAAAAAAAAAH9/fwDu7OEDzMzMAMDA/wB/f38AAAAAAAAAAAAAAAAAAAAAAAAAAAAhAAAAGAAAABQAAADIBQAAiQsAAHpIAACpDwAAAAAAACYAAAAIAAAAAQAAAAAAAAA="/>
+                <pr:smNativeData xmlns:pr="smNativeData" xmlns:p14="http://schemas.microsoft.com/office/powerpoint/2010/main" xmlns="" val="SMDATA_13_eIVQYBMAAAAlAAAAZAAAAA0AAAAAAAAAAAAAAAAAAAAAAAAAAAAAAAAAAAAAAAAAAAEAAABQAAAAAAAAAAAA4D8AAAAAAADgPwAAAAAAAOA/AAAAAAAA4D8AAAAAAADgPwAAAAAAAOA/AAAAAAAA4D8AAAAAAADgPwAAAAAAAOA/AAAAAAAA4D8CAAAAjAAAAAAAAAAAAAAA////AP///wgAAAAAAAAAAAAAAAAAAAAAAAAAAAAAAAAAAAAAeAAAAAEAAABAAAAAAAAAAAAAAABaAAAAAAAAAAAAAAAAAAAAAAAAAAAAAAAAAAAAAAAAAAAAAAAAAAAAAAAAAAAAAAAAAAAAAAAAAAAAAAAAAAAAAAAAAAAAAAAAAAAAFAAAADwAAAAAAAAAAAAAAAAAAAAPAAAAAQAAACMAAAAjAAAAIwAAAB4AAAAAAAAAZAAAAGQAAAAAAAAAZAAAAGQAAAAVAAAAYAAAAAAAAAAAAAAADwAAACADAAAAAAAAAAAAAAEAAACgMgAAVgcAAKr4//8BAAAAf39/AAEAAABkAAAAAAAAABQAAABAHwAAAAAAACYAAAAAAAAAwOD//wAAAAAmAAAAZAAAABYAAABMAAAAAAAAAAAAAAAEAAAAAAAAAAEAAADu7OEKAAAAACgAAAAoAAAAZAAAAGQAAAAAAAAAzMzMAAAAAABQAAAAUAAAAGQAAABkAAAAAAAAABcAAAAUAAAAAAAAAAAAAAD/fwAA/38AAAAAAAAJAAAABAAAAEEAQQAMAAAAEAAAAAAAAAAAAAAAAAAAAAAAAAAeAAAAaAAAAAAAAAAAAAAAAAAAAAAAAAAAAAAAECcAABAnAAAAAAAAAAAAAAAAAAAAAAAAAAAAAAAAAAAAAAAAAAAAABQAAAAAAAAAwMD/AAAAAABkAAAAMgAAAAAAAABkAAAAAAAAAH9/fwAKAAAAHwAAAFQAAAD///8A////AQAAAAAAAAAAAAAAAAAAAAAAAAAAAAAAAAAAAAAAAAAAAAAAAH9/fwDu7OEDzMzMAMDA/wB/f38AAAAAAAAAAAAAAAAAAAAAAAAAAAAhAAAAGAAAABQAAADIBQAAiQsAAHpIAACpDwAAEAAAACYAAAAIAAAAAQAAAAAAAAA="/>
               </a:ext>
             </a:extLst>
           </p:cNvSpPr>
@@ -8436,12 +9143,8 @@
               <a:defRPr lang="en-gb"/>
             </a:pPr>
             <a:r>
-              <a:t>Foundations – .NET applications</a:t>
-            </a:r>
-            <a:br/>
-            <a:br/>
-            <a:br/>
-            <a:br/>
+              <a:t>Approach – System requirements</a:t>
+            </a:r>
           </a:p>
         </p:txBody>
       </p:sp>
@@ -8452,7 +9155,7 @@
             <a:spLocks noGrp="1" noChangeArrowheads="1"/>
             <a:extLst>
               <a:ext uri="smNativeData">
-                <pr:smNativeData xmlns:pr="smNativeData" val="SMDATA_13_eIVQYBMAAAAlAAAAZAAAAA0AAAAAAAAAAAAAAAAAAAAAAAAAAAAAAAAAAAAAAAAAAAEAAABQAAAAAAAAAAAA4D8AAAAAAADgPwAAAAAAAOA/AAAAAAAA4D8AAAAAAADgPwAAAAAAAOA/AAAAAAAA4D8AAAAAAADgPwAAAAAAAOA/AAAAAAAA4D8CAAAAjAAAAAAAAAAAAAAA////AP///wgAAAAAAAAAAAAAAAAAAAAAAAAAAAAAAAAAAAAAeAAAAAEAAABAAAAAAAAAAAAAAABaAAAAAAAAAAAAAAAAAAAAAAAAAAAAAAAAAAAAAAAAAAAAAAAAAAAAAAAAAAAAAAAAAAAAAAAAAAAAAAAAAAAAAAAAAAAAAAAAAAAAFAAAADwAAAAAAAAAAAAAAAAAAAAPAAAAAQAAACMAAAAjAAAAIwAAAB4AAAAAAAAAZAAAAGQAAAAAAAAAZAAAAGQAAAAVAAAAYAAAAAAAAAAAAAAADwAAACADAAAAAAAAAAAAAAEAAACgMgAAVgcAAKr4//8BAAAAf39/AAEAAABkAAAAAAAAABQAAABAHwAAAAAAACYAAAAAAAAAwOD//wAAAAAmAAAAZAAAABYAAABMAAAAAAAAAAAAAAAEAAAAAAAAAAEAAADu7OEKAAAAACgAAAAoAAAAZAAAAGQAAAAAAAAAzMzMAAAAAABQAAAAUAAAAGQAAABkAAAAAAAAABcAAAAUAAAAAAAAAAAAAAD/fwAA/38AAAAAAAAJAAAABAAAAEEAQQAMAAAAEAAAAAAAAAAAAAAAAAAAAAAAAAAeAAAAaAAAAAAAAAAAAAAAAAAAAAAAAAAAAAAAECcAABAnAAAAAAAAAAAAAAAAAAAAAAAAAAAAAAAAAAAAAAAAAAAAABQAAAAAAAAAwMD/AAAAAABkAAAAMgAAAAAAAABkAAAAAAAAAH9/fwAKAAAAHwAAAFQAAAD///8A////AQAAAAAAAAAAAAAAAAAAAAAAAAAAAAAAAAAAAAAAAAAAAAAAAH9/fwDu7OEDzMzMAMDA/wB/f38AAAAAAAAAAAAAAAAAAAAAAAAAAAAhAAAAGAAAABQAAADKBQAAyRIAAHFIAADNKwAAAAAAACYAAAAIAAAAAYAAAAAAAAA="/>
+                <pr:smNativeData xmlns:pr="smNativeData" xmlns:p14="http://schemas.microsoft.com/office/powerpoint/2010/main" xmlns="" val="SMDATA_13_eIVQYBMAAAAlAAAAZAAAAA0AAAAAAAAAAAAAAAAAAAAAAAAAAAAAAAAAAAAAAAAAAAEAAABQAAAAAAAAAAAA4D8AAAAAAADgPwAAAAAAAOA/AAAAAAAA4D8AAAAAAADgPwAAAAAAAOA/AAAAAAAA4D8AAAAAAADgPwAAAAAAAOA/AAAAAAAA4D8CAAAAjAAAAAAAAAAAAAAA////AP///wgAAAAAAAAAAAAAAAAAAAAAAAAAAAAAAAAAAAAAeAAAAAEAAABAAAAAAAAAAAAAAABaAAAAAAAAAAAAAAAAAAAAAAAAAAAAAAAAAAAAAAAAAAAAAAAAAAAAAAAAAAAAAAAAAAAAAAAAAAAAAAAAAAAAAAAAAAAAAAAAAAAAFAAAADwAAAAAAAAAAAAAAAAAAAAPAAAAAQAAACMAAAAjAAAAIwAAAB4AAAAAAAAAZAAAAGQAAAAAAAAAZAAAAGQAAAAVAAAAYAAAAAAAAAAAAAAADwAAACADAAAAAAAAAAAAAAEAAACgMgAAVgcAAKr4//8BAAAAf39/AAEAAABkAAAAAAAAABQAAABAHwAAAAAAACYAAAAAAAAAwOD//wAAAAAmAAAAZAAAABYAAABMAAAAAAAAAAAAAAAEAAAAAAAAAAEAAADu7OEKAAAAACgAAAAoAAAAZAAAAGQAAAAAAAAAzMzMAAAAAABQAAAAUAAAAGQAAABkAAAAAAAAABcAAAAUAAAAAAAAAAAAAAD/fwAA/38AAAAAAAAJAAAABAAAAEEAQQAMAAAAEAAAAAAAAAAAAAAAAAAAAAAAAAAeAAAAaAAAAAAAAAAAAAAAAAAAAAAAAAAAAAAAECcAABAnAAAAAAAAAAAAAAAAAAAAAAAAAAAAAAAAAAAAAAAAAAAAABQAAAAAAAAAwMD/AAAAAABkAAAAMgAAAAAAAABkAAAAAAAAAH9/fwAKAAAAHwAAAFQAAAD///8A////AQAAAAAAAAAAAAAAAAAAAAAAAAAAAAAAAAAAAAAAAAAAAAAAAH9/fwDu7OEDzMzMAMDA/wB/f38AAAAAAAAAAAAAAAAAAAAAAAAAAAAhAAAAGAAAABQAAADIBQAAwBIAAJJIAADKLgAAAAAAACYAAAAIAAAAAYAAAAAAAAA="/>
               </a:ext>
             </a:extLst>
           </p:cNvSpPr>
@@ -8462,8 +9165,8 @@
         </p:nvSpPr>
         <p:spPr>
           <a:xfrm>
-            <a:off x="941070" y="3053715"/>
-            <a:ext cx="10835005" cy="4066540"/>
+            <a:off x="939800" y="3048000"/>
+            <a:ext cx="10857230" cy="4558030"/>
           </a:xfrm>
         </p:spPr>
         <p:txBody>
@@ -8480,7 +9183,7 @@
                 <a:schemeClr val="accent1"/>
               </a:buClr>
               <a:buSzPts val="2910"/>
-              <a:buFont typeface="Wingdings" pitchFamily="0" charset="0"/>
+              <a:buFont typeface="Wingdings" charset="0"/>
               <a:buChar char="§"/>
               <a:tabLst/>
               <a:defRPr lang="de-de" sz="2800" b="0" i="0" baseline="0">
@@ -8511,7 +9214,7 @@
               <a:lnSpc>
                 <a:spcPct val="150000"/>
               </a:lnSpc>
-              <a:buFont typeface="Wingdings" pitchFamily="0" charset="0"/>
+              <a:buFont typeface="Wingdings" charset="0"/>
               <a:buChar char="§"/>
               <a:defRPr lang="de-de" sz="2000" b="0" i="0" baseline="0">
                 <a:solidFill>
@@ -8546,30 +9249,66 @@
               <a:defRPr lang="de-de"/>
             </a:pPr>
             <a:r>
-              <a:rPr lang="en-us"/>
-              <a:t>.NET Framework</a:t>
-            </a:r>
-            <a:endParaRPr lang="en-us"/>
-          </a:p>
-          <a:p>
-            <a:pPr>
-              <a:defRPr lang="de-de"/>
-            </a:pPr>
-            <a:r>
-              <a:rPr lang="en-us"/>
-              <a:t>Xamarin Forms</a:t>
-            </a:r>
-            <a:endParaRPr lang="en-us"/>
-          </a:p>
-          <a:p>
-            <a:pPr>
-              <a:defRPr lang="de-de"/>
-            </a:pPr>
-            <a:r>
-              <a:rPr lang="en-us"/>
-              <a:t>TizenFX</a:t>
-            </a:r>
-            <a:endParaRPr lang="en-us"/>
+              <a:rPr dirty="0"/>
+              <a:t>System → Detect sensor accesses → Notify the user</a:t>
+            </a:r>
+          </a:p>
+          <a:p>
+            <a:pPr>
+              <a:defRPr lang="de-de"/>
+            </a:pPr>
+            <a:r>
+              <a:rPr dirty="0"/>
+              <a:t>User → Suspend the sensor usage</a:t>
+            </a:r>
+          </a:p>
+          <a:p>
+            <a:pPr>
+              <a:defRPr lang="de-de"/>
+            </a:pPr>
+            <a:r>
+              <a:rPr dirty="0"/>
+              <a:t>User Interface → Designed following the general principles</a:t>
+            </a:r>
+          </a:p>
+          <a:p>
+            <a:pPr>
+              <a:defRPr lang="de-de"/>
+            </a:pPr>
+            <a:r>
+              <a:rPr dirty="0"/>
+              <a:t>Feedbacks → Adapted to the core settings of the device</a:t>
+            </a:r>
+          </a:p>
+          <a:p>
+            <a:pPr>
+              <a:defRPr lang="de-de"/>
+            </a:pPr>
+            <a:r>
+              <a:rPr dirty="0"/>
+              <a:t>Communication → Minimal, fast and efficient</a:t>
+            </a:r>
+          </a:p>
+          <a:p>
+            <a:pPr>
+              <a:defRPr lang="de-de"/>
+            </a:pPr>
+            <a:r>
+              <a:rPr dirty="0"/>
+              <a:t>User → Should feel comfortable and have control over their privacy</a:t>
+            </a:r>
+          </a:p>
+          <a:p>
+            <a:pPr>
+              <a:defRPr lang="de-de"/>
+            </a:pPr>
+            <a:endParaRPr dirty="0"/>
+          </a:p>
+          <a:p>
+            <a:pPr>
+              <a:defRPr lang="de-de"/>
+            </a:pPr>
+            <a:endParaRPr lang="en-gb" dirty="0"/>
           </a:p>
         </p:txBody>
       </p:sp>
@@ -8580,7 +9319,7 @@
             <a:spLocks noGrp="1" noChangeArrowheads="1"/>
             <a:extLst>
               <a:ext uri="smNativeData">
-                <pr:smNativeData xmlns:pr="smNativeData" val="SMDATA_13_eIVQYBMAAAAlAAAAZAAAAA0AAAAAAAAAAAAAAAAAAAAAAAAAAAAAAAAAAAAAAAAAAAEAAABQAAAAAAAAAAAA4D8AAAAAAADgPwAAAAAAAOA/AAAAAAAA4D8AAAAAAADgPwAAAAAAAOA/AAAAAAAA4D8AAAAAAADgPwAAAAAAAOA/AAAAAAAA4D8CAAAAjAAAAAAAAAAAAAAA////AP///wgAAAAAAAAAAAAAAAAAAAAAAAAAAAAAAAAAAAAAeAAAAAEAAABAAAAAAAAAAAAAAABaAAAAAAAAAAAAAAAAAAAAAAAAAAAAAAAAAAAAAAAAAAAAAAAAAAAAAAAAAAAAAAAAAAAAAAAAAAAAAAAAAAAAAAAAAAAAAAAAAAAAFAAAADwAAAAAAAAAAAAAAAAAAAAPAAAAAQAAACMAAAAjAAAAIwAAAB4AAAAAAAAAZAAAAGQAAAAAAAAAZAAAAGQAAAAVAAAAYAAAAAAAAAAAAAAADwAAACADAAAAAAAAAAAAAAEAAACgMgAAVgcAAKr4//8BAAAAf39/AAEAAABkAAAAAAAAABQAAABAHwAAAAAAACYAAAAAAAAAwOD//wAAAAAmAAAAZAAAABYAAABMAAAAAAAAAAAAAAAEAAAAAAAAAAEAAADu7OEKAAAAACgAAAAoAAAAZAAAAGQAAAAAAAAAzMzMAAAAAABQAAAAUAAAAGQAAABkAAAAAAAAABcAAAAUAAAAAAAAAAAAAAD/fwAA/38AAAAAAAAJAAAABAAAAEQAZwAMAAAAEAAAAAAAAAAAAAAAAAAAAAAAAAAeAAAAaAAAAAAAAAAAAAAAAAAAAAAAAAAAAAAAECcAABAnAAAAAAAAAAAAAAAAAAAAAAAAAAAAAAAAAAAAAAAAAAAAABQAAAAAAAAAwMD/AAAAAABkAAAAMgAAAAAAAABkAAAAAAAAAH9/fwAKAAAAHwAAAFQAAAD///8A////AQAAAAAAAAAAAAAAAAAAAAAAAAAAAAAAAAAAAAAAAAAAAAAAAH9/fwDu7OEDzMzMAMDA/wB/f38AAAAAAAAAAAAAAAAAAAAAAAAAAAAhAAAAGAAAABQAAADqAQAA4DgAAPAKAACYOgAAEAAAACYAAAAIAAAAAAAAAAAAAAA="/>
+                <pr:smNativeData xmlns:pr="smNativeData" xmlns:p14="http://schemas.microsoft.com/office/powerpoint/2010/main" xmlns="" val="SMDATA_13_eIVQYBMAAAAlAAAAZAAAAA0AAAAAAAAAAAAAAAAAAAAAAAAAAAAAAAAAAAAAAAAAAAEAAABQAAAAAAAAAAAA4D8AAAAAAADgPwAAAAAAAOA/AAAAAAAA4D8AAAAAAADgPwAAAAAAAOA/AAAAAAAA4D8AAAAAAADgPwAAAAAAAOA/AAAAAAAA4D8CAAAAjAAAAAAAAAAAAAAA////AP///wgAAAAAAAAAAAAAAAAAAAAAAAAAAAAAAAAAAAAAeAAAAAEAAABAAAAAAAAAAAAAAABaAAAAAAAAAAAAAAAAAAAAAAAAAAAAAAAAAAAAAAAAAAAAAAAAAAAAAAAAAAAAAAAAAAAAAAAAAAAAAAAAAAAAAAAAAAAAAAAAAAAAFAAAADwAAAAAAAAAAAAAAAAAAAAPAAAAAQAAACMAAAAjAAAAIwAAAB4AAAAAAAAAZAAAAGQAAAAAAAAAZAAAAGQAAAAVAAAAYAAAAAAAAAAAAAAADwAAACADAAAAAAAAAAAAAAEAAACgMgAAVgcAAKr4//8BAAAAf39/AAEAAABkAAAAAAAAABQAAABAHwAAAAAAACYAAAAAAAAAwOD//wAAAAAmAAAAZAAAABYAAABMAAAAAAAAAAAAAAAEAAAAAAAAAAEAAADu7OEKAAAAACgAAAAoAAAAZAAAAGQAAAAAAAAAzMzMAAAAAABQAAAAUAAAAGQAAABkAAAAAAAAABcAAAAUAAAAAAAAAAAAAAD/fwAA/38AAAAAAAAJAAAABAAAAEEAQQAMAAAAEAAAAAAAAAAAAAAAAAAAAAAAAAAeAAAAaAAAAAAAAAAAAAAAAAAAAAAAAAAAAAAAECcAABAnAAAAAAAAAAAAAAAAAAAAAAAAAAAAAAAAAAAAAAAAAAAAABQAAAAAAAAAwMD/AAAAAABkAAAAMgAAAAAAAABkAAAAAAAAAH9/fwAKAAAAHwAAAFQAAAD///8A////AQAAAAAAAAAAAAAAAAAAAAAAAAAAAAAAAAAAAAAAAAAAAAAAAH9/fwDu7OEDzMzMAMDA/wB/f38AAAAAAAAAAAAAAAAAAAAAAAAAAAAhAAAAGAAAABQAAADqAQAA4DgAAPAKAACYOgAAEAAAACYAAAAIAAAAAAAAAAAAAAA="/>
               </a:ext>
             </a:extLst>
           </p:cNvSpPr>
@@ -8609,7 +9348,7 @@
             <a:spLocks noGrp="1" noChangeArrowheads="1"/>
             <a:extLst>
               <a:ext uri="smNativeData">
-                <pr:smNativeData xmlns:pr="smNativeData" val="SMDATA_13_eIVQYBMAAAAlAAAAZAAAAA0AAAAAAAAAAAAAAAAAAAAAAAAAAAAAAAAAAAAAAAAAAAEAAABQAAAAAAAAAAAA4D8AAAAAAADgPwAAAAAAAOA/AAAAAAAA4D8AAAAAAADgPwAAAAAAAOA/AAAAAAAA4D8AAAAAAADgPwAAAAAAAOA/AAAAAAAA4D8CAAAAjAAAAAAAAAAAAAAA////AP///wgAAAAAAAAAAAAAAAAAAAAAAAAAAAAAAAAAAAAAeAAAAAEAAABAAAAAAAAAAAAAAABaAAAAAAAAAAAAAAAAAAAAAAAAAAAAAAAAAAAAAAAAAAAAAAAAAAAAAAAAAAAAAAAAAAAAAAAAAAAAAAAAAAAAAAAAAAAAAAAAAAAAFAAAADwAAAAAAAAAAAAAAAAAAAAPAAAAAQAAACMAAAAjAAAAIwAAAB4AAAAAAAAAZAAAAGQAAAAAAAAAZAAAAGQAAAAVAAAAYAAAAAAAAAAAAAAADwAAACADAAAAAAAAAAAAAAEAAACgMgAAVgcAAKr4//8BAAAAf39/AAEAAABkAAAAAAAAABQAAABAHwAAAAAAACYAAAAAAAAAwOD//wAAAAAmAAAAZAAAABYAAABMAAAAAAAAAAAAAAAEAAAAAAAAAAEAAADu7OEKAAAAACgAAAAoAAAAZAAAAGQAAAAAAAAAzMzMAAAAAABQAAAAUAAAAGQAAABkAAAAAAAAABcAAAAUAAAAAAAAAAAAAAD/fwAA/38AAAAAAAAJAAAABAAAAAAAAAAMAAAAEAAAAAAAAAAAAAAAAAAAAAAAAAAeAAAAaAAAAAAAAAAAAAAAAAAAAAAAAAAAAAAAECcAABAnAAAAAAAAAAAAAAAAAAAAAAAAAAAAAAAAAAAAAAAAAAAAABQAAAAAAAAAwMD/AAAAAABkAAAAMgAAAAAAAABkAAAAAAAAAH9/fwAKAAAAHwAAAFQAAAD///8A////AQAAAAAAAAAAAAAAAAAAAAAAAAAAAAAAAAAAAAAAAAAAAAAAAH9/fwDu7OEDzMzMAMDA/wB/f38AAAAAAAAAAAAAAAAAAAAAAAAAAAAhAAAAGAAAABQAAADQSAAAGDkAABZOAACYOgAAEAAAACYAAAAIAAAAAAAAAAAAAAA="/>
+                <pr:smNativeData xmlns:pr="smNativeData" xmlns:p14="http://schemas.microsoft.com/office/powerpoint/2010/main" xmlns="" val="SMDATA_13_eIVQYBMAAAAlAAAAZAAAAA0AAAAAAAAAAAAAAAAAAAAAAAAAAAAAAAAAAAAAAAAAAAEAAABQAAAAAAAAAAAA4D8AAAAAAADgPwAAAAAAAOA/AAAAAAAA4D8AAAAAAADgPwAAAAAAAOA/AAAAAAAA4D8AAAAAAADgPwAAAAAAAOA/AAAAAAAA4D8CAAAAjAAAAAAAAAAAAAAA////AP///wgAAAAAAAAAAAAAAAAAAAAAAAAAAAAAAAAAAAAAeAAAAAEAAABAAAAAAAAAAAAAAABaAAAAAAAAAAAAAAAAAAAAAAAAAAAAAAAAAAAAAAAAAAAAAAAAAAAAAAAAAAAAAAAAAAAAAAAAAAAAAAAAAAAAAAAAAAAAAAAAAAAAFAAAADwAAAAAAAAAAAAAAAAAAAAPAAAAAQAAACMAAAAjAAAAIwAAAB4AAAAAAAAAZAAAAGQAAAAAAAAAZAAAAGQAAAAVAAAAYAAAAAAAAAAAAAAADwAAACADAAAAAAAAAAAAAAEAAACgMgAAVgcAAKr4//8BAAAAf39/AAEAAABkAAAAAAAAABQAAABAHwAAAAAAACYAAAAAAAAAwOD//wAAAAAmAAAAZAAAABYAAABMAAAAAAAAAAAAAAAEAAAAAAAAAAEAAADu7OEKAAAAACgAAAAoAAAAZAAAAGQAAAAAAAAAzMzMAAAAAABQAAAAUAAAAGQAAABkAAAAAAAAABcAAAAUAAAAAAAAAAAAAAD/fwAA/38AAAAAAAAJAAAABAAAAEEAQQAMAAAAEAAAAAAAAAAAAAAAAAAAAAAAAAAeAAAAaAAAAAAAAAAAAAAAAAAAAAAAAAAAAAAAECcAABAnAAAAAAAAAAAAAAAAAAAAAAAAAAAAAAAAAAAAAAAAAAAAABQAAAAAAAAAwMD/AAAAAABkAAAAMgAAAAAAAABkAAAAAAAAAH9/fwAKAAAAHwAAAFQAAAD///8A////AQAAAAAAAAAAAAAAAAAAAAAAAAAAAAAAAAAAAAAAAAAAAAAAAH9/fwDu7OEDzMzMAMDA/wB/f38AAAAAAAAAAAAAAAAAAAAAAAAAAAAhAAAAGAAAABQAAADQSAAAGDkAABZOAACYOgAAEAAAACYAAAAIAAAAAAAAAAAAAAA="/>
               </a:ext>
             </a:extLst>
           </p:cNvSpPr>
@@ -8625,9 +9364,10 @@
             <a:pPr>
               <a:defRPr lang="de-de"/>
             </a:pPr>
-            <a:fld id="{22C93EE9-A7CF-9CC8-8171-519D703F7704}" type="slidenum">
-              <a:t>6</a:t>
+            <a:fld id="{26FC97FF-B1CB-A961-8544-4734D90A7312}" type="slidenum">
+              <a:t>7</a:t>
             </a:fld>
+            <a:endParaRPr/>
           </a:p>
         </p:txBody>
       </p:sp>
@@ -8636,18 +9376,11 @@
   <p:clrMapOvr>
     <a:masterClrMapping/>
   </p:clrMapOvr>
-  <p:timing>
-    <p:tnLst>
-      <p:par>
-        <p:cTn id="1" dur="indefinite" restart="never" nodeType="tmRoot"/>
-      </p:par>
-    </p:tnLst>
-  </p:timing>
 </p:sld>
 </file>
 
-<file path=ppt/slides/slide7.xml><?xml version="1.0" encoding="utf-8"?>
-<p:sld xmlns:p="http://schemas.openxmlformats.org/presentationml/2006/main" xmlns:p14="http://schemas.microsoft.com/office/powerpoint/2010/main" xmlns:r="http://schemas.openxmlformats.org/officeDocument/2006/relationships" xmlns:a="http://schemas.openxmlformats.org/drawingml/2006/main">
+<file path=ppt/slides/slide8.xml><?xml version="1.0" encoding="utf-8"?>
+<p:sld xmlns:a="http://schemas.openxmlformats.org/drawingml/2006/main" xmlns:r="http://schemas.openxmlformats.org/officeDocument/2006/relationships" xmlns:p="http://schemas.openxmlformats.org/presentationml/2006/main">
   <p:cSld>
     <p:spTree>
       <p:nvGrpSpPr>
@@ -8670,7 +9403,7 @@
             <a:spLocks noGrp="1" noChangeArrowheads="1"/>
             <a:extLst>
               <a:ext uri="smNativeData">
-                <pr:smNativeData xmlns:pr="smNativeData" val="SMDATA_13_eIVQYBMAAAAlAAAAZAAAAA0AAAAAAAAAAAAAAAAAAAAAAAAAAAAAAAAAAAAAAAAAAAEAAABQAAAAAAAAAAAA4D8AAAAAAADgPwAAAAAAAOA/AAAAAAAA4D8AAAAAAADgPwAAAAAAAOA/AAAAAAAA4D8AAAAAAADgPwAAAAAAAOA/AAAAAAAA4D8CAAAAjAAAAAAAAAAAAAAA////AP///wgAAAAAAAAAAAAAAAAAAAAAAAAAAAAAAAAAAAAAeAAAAAEAAABAAAAAAAAAAAAAAABaAAAAAAAAAAAAAAAAAAAAAAAAAAAAAAAAAAAAAAAAAAAAAAAAAAAAAAAAAAAAAAAAAAAAAAAAAAAAAAAAAAAAAAAAAAAAAAAAAAAAFAAAADwAAAAAAAAAAAAAAAAAAAAPAAAAAQAAACMAAAAjAAAAIwAAAB4AAAAAAAAAZAAAAGQAAAAAAAAAZAAAAGQAAAAVAAAAYAAAAAAAAAAAAAAADwAAACADAAAAAAAAAAAAAAEAAACgMgAAVgcAAKr4//8BAAAAf39/AAEAAABkAAAAAAAAABQAAABAHwAAAAAAACYAAAAAAAAAwOD//wAAAAAmAAAAZAAAABYAAABMAAAAAAAAAAAAAAAEAAAAAAAAAAEAAADu7OEKAAAAACgAAAAoAAAAZAAAAGQAAAAAAAAAzMzMAAAAAABQAAAAUAAAAGQAAABkAAAAAAAAABcAAAAUAAAAAAAAAAAAAAD/fwAA/38AAAAAAAAJAAAABAAAAAAAAAAMAAAAEAAAAAAAAAAAAAAAAAAAAAAAAAAeAAAAaAAAAAAAAAAAAAAAAAAAAAAAAAAAAAAAECcAABAnAAAAAAAAAAAAAAAAAAAAAAAAAAAAAAAAAAAAAAAAAAAAABQAAAAAAAAAwMD/AAAAAABkAAAAMgAAAAAAAABkAAAAAAAAAH9/fwAKAAAAHwAAAFQAAAD///8A////AQAAAAAAAAAAAAAAAAAAAAAAAAAAAAAAAAAAAAAAAAAAAAAAAH9/fwDu7OEDzMzMAMDA/wB/f38AAAAAAAAAAAAAAAAAAAAAAAAAAAAhAAAAGAAAABQAAADIBQAAiQsAAHpIAACpDwAAEAAAACYAAAAIAAAAAQAAAAAAAAA="/>
+                <pr:smNativeData xmlns:pr="smNativeData" xmlns:p14="http://schemas.microsoft.com/office/powerpoint/2010/main" xmlns="" val="SMDATA_13_eIVQYBMAAAAlAAAAZAAAAA0AAAAAAAAAAAAAAAAAAAAAAAAAAAAAAAAAAAAAAAAAAAEAAABQAAAAAAAAAAAA4D8AAAAAAADgPwAAAAAAAOA/AAAAAAAA4D8AAAAAAADgPwAAAAAAAOA/AAAAAAAA4D8AAAAAAADgPwAAAAAAAOA/AAAAAAAA4D8CAAAAjAAAAAAAAAAAAAAA////AP///wgAAAAAAAAAAAAAAAAAAAAAAAAAAAAAAAAAAAAAeAAAAAEAAABAAAAAAAAAAAAAAABaAAAAAAAAAAAAAAAAAAAAAAAAAAAAAAAAAAAAAAAAAAAAAAAAAAAAAAAAAAAAAAAAAAAAAAAAAAAAAAAAAAAAAAAAAAAAAAAAAAAAFAAAADwAAAAAAAAAAAAAAAAAAAAPAAAAAQAAACMAAAAjAAAAIwAAAB4AAAAAAAAAZAAAAGQAAAAAAAAAZAAAAGQAAAAVAAAAYAAAAAAAAAAAAAAADwAAACADAAAAAAAAAAAAAAEAAACgMgAAVgcAAKr4//8BAAAAf39/AAEAAABkAAAAAAAAABQAAABAHwAAAAAAACYAAAAAAAAAwOD//wAAAAAmAAAAZAAAABYAAABMAAAAAAAAAAAAAAAEAAAAAAAAAAEAAADu7OEKAAAAACgAAAAoAAAAZAAAAGQAAAAAAAAAzMzMAAAAAABQAAAAUAAAAGQAAABkAAAAAAAAABcAAAAUAAAAAAAAAAAAAAD/fwAA/38AAAAAAAAJAAAABAAAAEEAQQAMAAAAEAAAAAAAAAAAAAAAAAAAAAAAAAAeAAAAaAAAAAAAAAAAAAAAAAAAAAAAAAAAAAAAECcAABAnAAAAAAAAAAAAAAAAAAAAAAAAAAAAAAAAAAAAAAAAAAAAABQAAAAAAAAAwMD/AAAAAABkAAAAMgAAAAAAAABkAAAAAAAAAH9/fwAKAAAAHwAAAFQAAAD///8A////AQAAAAAAAAAAAAAAAAAAAAAAAAAAAAAAAAAAAAAAAAAAAAAAAH9/fwDu7OEDzMzMAMDA/wB/f38AAAAAAAAAAAAAAAAAAAAAAAAAAAAhAAAAGAAAABQAAADIBQAAiQsAAHpIAACpDwAAEAAAACYAAAAIAAAAAQAAAAAAAAA="/>
               </a:ext>
             </a:extLst>
           </p:cNvSpPr>
@@ -8692,7 +9425,7 @@
               <a:defRPr lang="en-gb"/>
             </a:pPr>
             <a:r>
-              <a:t>Related work</a:t>
+              <a:t>Approach – System Overview</a:t>
             </a:r>
           </a:p>
         </p:txBody>
@@ -8704,7 +9437,7 @@
             <a:spLocks noGrp="1" noChangeArrowheads="1"/>
             <a:extLst>
               <a:ext uri="smNativeData">
-                <pr:smNativeData xmlns:pr="smNativeData" val="SMDATA_13_eIVQYBMAAAAlAAAAZAAAAA0AAAAAAAAAAAAAAAAAAAAAAAAAAAAAAAAAAAAAAAAAAAEAAABQAAAAAAAAAAAA4D8AAAAAAADgPwAAAAAAAOA/AAAAAAAA4D8AAAAAAADgPwAAAAAAAOA/AAAAAAAA4D8AAAAAAADgPwAAAAAAAOA/AAAAAAAA4D8CAAAAjAAAAAAAAAAAAAAA////AP///wgAAAAAAAAAAAAAAAAAAAAAAAAAAAAAAAAAAAAAeAAAAAEAAABAAAAAAAAAAAAAAABaAAAAAAAAAAAAAAAAAAAAAAAAAAAAAAAAAAAAAAAAAAAAAAAAAAAAAAAAAAAAAAAAAAAAAAAAAAAAAAAAAAAAAAAAAAAAAAAAAAAAFAAAADwAAAAAAAAAAAAAAAAAAAAPAAAAAQAAACMAAAAjAAAAIwAAAB4AAAAAAAAAZAAAAGQAAAAAAAAAZAAAAGQAAAAVAAAAYAAAAAAAAAAAAAAADwAAACADAAAAAAAAAAAAAAEAAACgMgAAVgcAAKr4//8BAAAAf39/AAEAAABkAAAAAAAAABQAAABAHwAAAAAAACYAAAAAAAAAwOD//wAAAAAmAAAAZAAAABYAAABMAAAAAAAAAAAAAAAEAAAAAAAAAAEAAADu7OEKAAAAACgAAAAoAAAAZAAAAGQAAAAAAAAAzMzMAAAAAABQAAAAUAAAAGQAAABkAAAAAAAAABcAAAAUAAAAAAAAAAAAAAD/fwAA/38AAAAAAAAJAAAABAAAAAAAAAAMAAAAEAAAAAAAAAAAAAAAAAAAAAAAAAAeAAAAaAAAAAAAAAAAAAAAAAAAAAAAAAAAAAAAECcAABAnAAAAAAAAAAAAAAAAAAAAAAAAAAAAAAAAAAAAAAAAAAAAABQAAAAAAAAAwMD/AAAAAABkAAAAMgAAAAAAAABkAAAAAAAAAH9/fwAKAAAAHwAAAFQAAAD///8A////AQAAAAAAAAAAAAAAAAAAAAAAAAAAAAAAAAAAAAAAAAAAAAAAAH9/fwDu7OEDzMzMAMDA/wB/f38AAAAAAAAAAAAAAAAAAAAAAAAAAAAhAAAAGAAAABQAAADIBQAAwBIAAHpIAACYNwAAEAAAACYAAAAIAAAAAYAAAAAAAAA="/>
+                <pr:smNativeData xmlns:pr="smNativeData" xmlns:p14="http://schemas.microsoft.com/office/powerpoint/2010/main" xmlns="" val="SMDATA_13_eIVQYBMAAAAlAAAAZAAAAA0AAAAAAAAAAAAAAAAAAAAAAAAAAAAAAAAAAAAAAAAAAAEAAABQAAAAAAAAAAAA4D8AAAAAAADgPwAAAAAAAOA/AAAAAAAA4D8AAAAAAADgPwAAAAAAAOA/AAAAAAAA4D8AAAAAAADgPwAAAAAAAOA/AAAAAAAA4D8CAAAAjAAAAAAAAAAAAAAA////AP///wgAAAAAAAAAAAAAAAAAAAAAAAAAAAAAAAAAAAAAeAAAAAEAAABAAAAAAAAAAAAAAABaAAAAAAAAAAAAAAAAAAAAAAAAAAAAAAAAAAAAAAAAAAAAAAAAAAAAAAAAAAAAAAAAAAAAAAAAAAAAAAAAAAAAAAAAAAAAAAAAAAAAFAAAADwAAAAAAAAAAAAAAAAAAAAPAAAAAQAAACMAAAAjAAAAIwAAAB4AAAAAAAAAZAAAAGQAAAAAAAAAZAAAAGQAAAAVAAAAYAAAAAAAAAAAAAAADwAAACADAAAAAAAAAAAAAAEAAACgMgAAVgcAAKr4//8BAAAAf39/AAEAAABkAAAAAAAAABQAAABAHwAAAAAAACYAAAAAAAAAwOD//wAAAAAmAAAAZAAAABYAAABMAAAAAAAAAAAAAAAEAAAAAAAAAAEAAADu7OEKAAAAACgAAAAoAAAAZAAAAGQAAAAAAAAAzMzMAAAAAABQAAAAUAAAAGQAAABkAAAAAAAAABcAAAAUAAAAAAAAAAAAAAD/fwAA/38AAAAAAAAJAAAABAAAAEEAQQAMAAAAEAAAAAAAAAAAAAAAAAAAAAAAAAAeAAAAaAAAAAAAAAAAAAAAAAAAAAAAAAAAAAAAECcAABAnAAAAAAAAAAAAAAAAAAAAAAAAAAAAAAAAAAAAAAAAAAAAABQAAAAAAAAAwMD/AAAAAABkAAAAMgAAAAAAAABkAAAAAAAAAH9/fwAKAAAAHwAAAFQAAAD///8A////AQAAAAAAAAAAAAAAAAAAAAAAAAAAAAAAAAAAAAAAAAAAAAAAAH9/fwDu7OEDzMzMAMDA/wB/f38AAAAAAAAAAAAAAAAAAAAAAAAAAAAhAAAAGAAAABQAAADIBQAAwBIAAHpIAACQGwAAEAAAACYAAAAIAAAAAYAAAAAAAAA="/>
               </a:ext>
             </a:extLst>
           </p:cNvSpPr>
@@ -8715,7 +9448,7 @@
         <p:spPr>
           <a:xfrm>
             <a:off x="939800" y="3048000"/>
-            <a:ext cx="10841990" cy="5989320"/>
+            <a:ext cx="10841990" cy="1432560"/>
           </a:xfrm>
         </p:spPr>
         <p:txBody>
@@ -8732,7 +9465,7 @@
                 <a:schemeClr val="accent1"/>
               </a:buClr>
               <a:buSzPts val="2910"/>
-              <a:buFont typeface="Wingdings" pitchFamily="0" charset="0"/>
+              <a:buFont typeface="Wingdings" charset="0"/>
               <a:buChar char="§"/>
               <a:tabLst/>
               <a:defRPr lang="de-de" sz="2800" b="0" i="0" baseline="0">
@@ -8763,7 +9496,7 @@
               <a:lnSpc>
                 <a:spcPct val="150000"/>
               </a:lnSpc>
-              <a:buFont typeface="Wingdings" pitchFamily="0" charset="0"/>
+              <a:buFont typeface="Wingdings" charset="0"/>
               <a:buChar char="§"/>
               <a:defRPr lang="de-de" sz="2000" b="0" i="0" baseline="0">
                 <a:solidFill>
@@ -8797,84 +9530,13 @@
             <a:pPr>
               <a:defRPr lang="de-de"/>
             </a:pPr>
-            <a:r>
-              <a:t>Users have wearable privacy concerns [1], [2]</a:t>
-            </a:r>
-          </a:p>
-          <a:p>
-            <a:pPr lvl="1">
-              <a:defRPr lang="de-de"/>
-            </a:pPr>
-            <a:r>
-              <a:t>But also misunderstandings and false beliefs [8]</a:t>
-            </a:r>
-          </a:p>
-          <a:p>
-            <a:pPr lvl="1">
-              <a:buChar char="→"/>
-              <a:defRPr lang="de-de"/>
-            </a:pPr>
-            <a:r>
-              <a:t> Important to raise awareness</a:t>
-            </a:r>
-          </a:p>
-          <a:p>
-            <a:pPr>
-              <a:defRPr lang="de-de"/>
-            </a:pPr>
-            <a:r>
-              <a:rPr lang="en-gb"/>
-              <a:t>Various apps giving context-dependent feedback</a:t>
-            </a:r>
+            <a:endParaRPr/>
+          </a:p>
+          <a:p>
+            <a:pPr>
+              <a:defRPr lang="de-de"/>
+            </a:pPr>
             <a:endParaRPr lang="en-gb"/>
-          </a:p>
-          <a:p>
-            <a:pPr lvl="1">
-              <a:defRPr lang="en-gb"/>
-            </a:pPr>
-            <a:r>
-              <a:t>Haptic feedback for pedestrian navigation [3]</a:t>
-            </a:r>
-          </a:p>
-          <a:p>
-            <a:pPr lvl="1">
-              <a:defRPr lang="en-gb"/>
-            </a:pPr>
-            <a:r>
-              <a:t>Visual and haptic feedback to assist deaf people [4]</a:t>
-            </a:r>
-          </a:p>
-          <a:p>
-            <a:pPr lvl="1">
-              <a:defRPr lang="en-gb"/>
-            </a:pPr>
-            <a:r>
-              <a:t>Visual feedback to assist rescuers during CPR [5]</a:t>
-            </a:r>
-          </a:p>
-          <a:p>
-            <a:pPr>
-              <a:defRPr lang="en-gb"/>
-            </a:pPr>
-            <a:r>
-              <a:t>Both together?</a:t>
-            </a:r>
-          </a:p>
-          <a:p>
-            <a:pPr lvl="1">
-              <a:defRPr lang="en-gb"/>
-            </a:pPr>
-            <a:r>
-              <a:t>Study to question the impact of timing of privacy feedback on UX [7]</a:t>
-            </a:r>
-          </a:p>
-          <a:p>
-            <a:pPr lvl="1">
-              <a:defRPr lang="en-gb"/>
-            </a:pPr>
-            <a:r>
-              <a:t>Serious game to raise awareness [6]</a:t>
-            </a:r>
           </a:p>
         </p:txBody>
       </p:sp>
@@ -8885,7 +9547,7 @@
             <a:spLocks noGrp="1" noChangeArrowheads="1"/>
             <a:extLst>
               <a:ext uri="smNativeData">
-                <pr:smNativeData xmlns:pr="smNativeData" val="SMDATA_13_eIVQYBMAAAAlAAAAZAAAAA0AAAAAAAAAAAAAAAAAAAAAAAAAAAAAAAAAAAAAAAAAAAEAAABQAAAAAAAAAAAA4D8AAAAAAADgPwAAAAAAAOA/AAAAAAAA4D8AAAAAAADgPwAAAAAAAOA/AAAAAAAA4D8AAAAAAADgPwAAAAAAAOA/AAAAAAAA4D8CAAAAjAAAAAAAAAAAAAAA////AP///wgAAAAAAAAAAAAAAAAAAAAAAAAAAAAAAAAAAAAAeAAAAAEAAABAAAAAAAAAAAAAAABaAAAAAAAAAAAAAAAAAAAAAAAAAAAAAAAAAAAAAAAAAAAAAAAAAAAAAAAAAAAAAAAAAAAAAAAAAAAAAAAAAAAAAAAAAAAAAAAAAAAAFAAAADwAAAAAAAAAAAAAAAAAAAAPAAAAAQAAACMAAAAjAAAAIwAAAB4AAAAAAAAAZAAAAGQAAAAAAAAAZAAAAGQAAAAVAAAAYAAAAAAAAAAAAAAADwAAACADAAAAAAAAAAAAAAEAAACgMgAAVgcAAKr4//8BAAAAf39/AAEAAABkAAAAAAAAABQAAABAHwAAAAAAACYAAAAAAAAAwOD//wAAAAAmAAAAZAAAABYAAABMAAAAAAAAAAAAAAAEAAAAAAAAAAEAAADu7OEKAAAAACgAAAAoAAAAZAAAAGQAAAAAAAAAzMzMAAAAAABQAAAAUAAAAGQAAABkAAAAAAAAABcAAAAUAAAAAAAAAAAAAAD/fwAA/38AAAAAAAAJAAAABAAAAAAAAAAMAAAAEAAAAAAAAAAAAAAAAAAAAAAAAAAeAAAAaAAAAAAAAAAAAAAAAAAAAAAAAAAAAAAAECcAABAnAAAAAAAAAAAAAAAAAAAAAAAAAAAAAAAAAAAAAAAAAAAAABQAAAAAAAAAwMD/AAAAAABkAAAAMgAAAAAAAABkAAAAAAAAAH9/fwAKAAAAHwAAAFQAAAD///8A////AQAAAAAAAAAAAAAAAAAAAAAAAAAAAAAAAAAAAAAAAAAAAAAAAH9/fwDu7OEDzMzMAMDA/wB/f38AAAAAAAAAAAAAAAAAAAAAAAAAAAAhAAAAGAAAABQAAADqAQAA4DgAAPAKAACYOgAAEAAAACYAAAAIAAAAAAAAAAAAAAA="/>
+                <pr:smNativeData xmlns:pr="smNativeData" xmlns:p14="http://schemas.microsoft.com/office/powerpoint/2010/main" xmlns="" val="SMDATA_13_eIVQYBMAAAAlAAAAZAAAAA0AAAAAAAAAAAAAAAAAAAAAAAAAAAAAAAAAAAAAAAAAAAEAAABQAAAAAAAAAAAA4D8AAAAAAADgPwAAAAAAAOA/AAAAAAAA4D8AAAAAAADgPwAAAAAAAOA/AAAAAAAA4D8AAAAAAADgPwAAAAAAAOA/AAAAAAAA4D8CAAAAjAAAAAAAAAAAAAAA////AP///wgAAAAAAAAAAAAAAAAAAAAAAAAAAAAAAAAAAAAAeAAAAAEAAABAAAAAAAAAAAAAAABaAAAAAAAAAAAAAAAAAAAAAAAAAAAAAAAAAAAAAAAAAAAAAAAAAAAAAAAAAAAAAAAAAAAAAAAAAAAAAAAAAAAAAAAAAAAAAAAAAAAAFAAAADwAAAAAAAAAAAAAAAAAAAAPAAAAAQAAACMAAAAjAAAAIwAAAB4AAAAAAAAAZAAAAGQAAAAAAAAAZAAAAGQAAAAVAAAAYAAAAAAAAAAAAAAADwAAACADAAAAAAAAAAAAAAEAAACgMgAAVgcAAKr4//8BAAAAf39/AAEAAABkAAAAAAAAABQAAABAHwAAAAAAACYAAAAAAAAAwOD//wAAAAAmAAAAZAAAABYAAABMAAAAAAAAAAAAAAAEAAAAAAAAAAEAAADu7OEKAAAAACgAAAAoAAAAZAAAAGQAAAAAAAAAzMzMAAAAAABQAAAAUAAAAGQAAABkAAAAAAAAABcAAAAUAAAAAAAAAAAAAAD/fwAA/38AAAAAAAAJAAAABAAAAAAAAAAMAAAAEAAAAAAAAAAAAAAAAAAAAAAAAAAeAAAAaAAAAAAAAAAAAAAAAAAAAAAAAAAAAAAAECcAABAnAAAAAAAAAAAAAAAAAAAAAAAAAAAAAAAAAAAAAAAAAAAAABQAAAAAAAAAwMD/AAAAAABkAAAAMgAAAAAAAABkAAAAAAAAAH9/fwAKAAAAHwAAAFQAAAD///8A////AQAAAAAAAAAAAAAAAAAAAAAAAAAAAAAAAAAAAAAAAAAAAAAAAH9/fwDu7OEDzMzMAMDA/wB/f38AAAAAAAAAAAAAAAAAAAAAAAAAAAAhAAAAGAAAABQAAADqAQAA4DgAAPAKAACYOgAAEAAAACYAAAAIAAAAAAAAAAAAAAA="/>
               </a:ext>
             </a:extLst>
           </p:cNvSpPr>
@@ -8914,7 +9576,7 @@
             <a:spLocks noGrp="1" noChangeArrowheads="1"/>
             <a:extLst>
               <a:ext uri="smNativeData">
-                <pr:smNativeData xmlns:pr="smNativeData" val="SMDATA_13_eIVQYBMAAAAlAAAAZAAAAA0AAAAAAAAAAAAAAAAAAAAAAAAAAAAAAAAAAAAAAAAAAAEAAABQAAAAAAAAAAAA4D8AAAAAAADgPwAAAAAAAOA/AAAAAAAA4D8AAAAAAADgPwAAAAAAAOA/AAAAAAAA4D8AAAAAAADgPwAAAAAAAOA/AAAAAAAA4D8CAAAAjAAAAAAAAAAAAAAA////AP///wgAAAAAAAAAAAAAAAAAAAAAAAAAAAAAAAAAAAAAeAAAAAEAAABAAAAAAAAAAAAAAABaAAAAAAAAAAAAAAAAAAAAAAAAAAAAAAAAAAAAAAAAAAAAAAAAAAAAAAAAAAAAAAAAAAAAAAAAAAAAAAAAAAAAAAAAAAAAAAAAAAAAFAAAADwAAAAAAAAAAAAAAAAAAAAPAAAAAQAAACMAAAAjAAAAIwAAAB4AAAAAAAAAZAAAAGQAAAAAAAAAZAAAAGQAAAAVAAAAYAAAAAAAAAAAAAAADwAAACADAAAAAAAAAAAAAAEAAACgMgAAVgcAAKr4//8BAAAAf39/AAEAAABkAAAAAAAAABQAAABAHwAAAAAAACYAAAAAAAAAwOD//wAAAAAmAAAAZAAAABYAAABMAAAAAAAAAAAAAAAEAAAAAAAAAAEAAADu7OEKAAAAACgAAAAoAAAAZAAAAGQAAAAAAAAAzMzMAAAAAABQAAAAUAAAAGQAAABkAAAAAAAAABcAAAAUAAAAAAAAAAAAAAD/fwAA/38AAAAAAAAJAAAABAAAAAAAAAAMAAAAEAAAAAAAAAAAAAAAAAAAAAAAAAAeAAAAaAAAAAAAAAAAAAAAAAAAAAAAAAAAAAAAECcAABAnAAAAAAAAAAAAAAAAAAAAAAAAAAAAAAAAAAAAAAAAAAAAABQAAAAAAAAAwMD/AAAAAABkAAAAMgAAAAAAAABkAAAAAAAAAH9/fwAKAAAAHwAAAFQAAAD///8A////AQAAAAAAAAAAAAAAAAAAAAAAAAAAAAAAAAAAAAAAAAAAAAAAAH9/fwDu7OEDzMzMAMDA/wB/f38AAAAAAAAAAAAAAAAAAAAAAAAAAAAhAAAAGAAAABQAAADQSAAAGDkAABZOAACYOgAAEAAAACYAAAAIAAAAAAAAAAAAAAA="/>
+                <pr:smNativeData xmlns:pr="smNativeData" xmlns:p14="http://schemas.microsoft.com/office/powerpoint/2010/main" xmlns="" val="SMDATA_13_eIVQYBMAAAAlAAAAZAAAAA0AAAAAAAAAAAAAAAAAAAAAAAAAAAAAAAAAAAAAAAAAAAEAAABQAAAAAAAAAAAA4D8AAAAAAADgPwAAAAAAAOA/AAAAAAAA4D8AAAAAAADgPwAAAAAAAOA/AAAAAAAA4D8AAAAAAADgPwAAAAAAAOA/AAAAAAAA4D8CAAAAjAAAAAAAAAAAAAAA////AP///wgAAAAAAAAAAAAAAAAAAAAAAAAAAAAAAAAAAAAAeAAAAAEAAABAAAAAAAAAAAAAAABaAAAAAAAAAAAAAAAAAAAAAAAAAAAAAAAAAAAAAAAAAAAAAAAAAAAAAAAAAAAAAAAAAAAAAAAAAAAAAAAAAAAAAAAAAAAAAAAAAAAAFAAAADwAAAAAAAAAAAAAAAAAAAAPAAAAAQAAACMAAAAjAAAAIwAAAB4AAAAAAAAAZAAAAGQAAAAAAAAAZAAAAGQAAAAVAAAAYAAAAAAAAAAAAAAADwAAACADAAAAAAAAAAAAAAEAAACgMgAAVgcAAKr4//8BAAAAf39/AAEAAABkAAAAAAAAABQAAABAHwAAAAAAACYAAAAAAAAAwOD//wAAAAAmAAAAZAAAABYAAABMAAAAAAAAAAAAAAAEAAAAAAAAAAEAAADu7OEKAAAAACgAAAAoAAAAZAAAAGQAAAAAAAAAzMzMAAAAAABQAAAAUAAAAGQAAABkAAAAAAAAABcAAAAUAAAAAAAAAAAAAAD/fwAA/38AAAAAAAAJAAAABAAAAAAAAAAMAAAAEAAAAAAAAAAAAAAAAAAAAAAAAAAeAAAAaAAAAAAAAAAAAAAAAAAAAAAAAAAAAAAAECcAABAnAAAAAAAAAAAAAAAAAAAAAAAAAAAAAAAAAAAAAAAAAAAAABQAAAAAAAAAwMD/AAAAAABkAAAAMgAAAAAAAABkAAAAAAAAAH9/fwAKAAAAHwAAAFQAAAD///8A////AQAAAAAAAAAAAAAAAAAAAAAAAAAAAAAAAAAAAAAAAAAAAAAAAH9/fwDu7OEDzMzMAMDA/wB/f38AAAAAAAAAAAAAAAAAAAAAAAAAAAAhAAAAGAAAABQAAADQSAAAGDkAABZOAACYOgAAEAAAACYAAAAIAAAAAAAAAAAAAAA="/>
               </a:ext>
             </a:extLst>
           </p:cNvSpPr>
@@ -8930,29 +9592,57 @@
             <a:pPr>
               <a:defRPr lang="de-de"/>
             </a:pPr>
-            <a:fld id="{06C68E86-C8EB-9378-A57E-3E2DC030536B}" type="slidenum">
-              <a:t>7</a:t>
+            <a:fld id="{2C0B76C9-87C1-5E80-8FB3-71D538FD7924}" type="slidenum">
+              <a:t>8</a:t>
             </a:fld>
-          </a:p>
-        </p:txBody>
-      </p:sp>
+            <a:endParaRPr/>
+          </a:p>
+        </p:txBody>
+      </p:sp>
+      <p:pic>
+        <p:nvPicPr>
+          <p:cNvPr id="6" name="Picture 8"/>
+          <p:cNvPicPr>
+            <a:picLocks noChangeAspect="1"/>
+            <a:extLst>
+              <a:ext uri="smNativeData">
+                <pr:smNativeData xmlns:pr="smNativeData" xmlns:p14="http://schemas.microsoft.com/office/powerpoint/2010/main" xmlns="" val="SMDATA_15_eIVQYBMAAAAlAAAAEQAAAC0AAAAAkAAAAEgAAACQAAAASAAAAAAAAAAAAAAAAAAAAAEAAABQAAAAAAAAAAAA4D8AAAAAAADgPwAAAAAAAOA/AAAAAAAA4D8AAAAAAADgPwAAAAAAAOA/AAAAAAAA4D8AAAAAAADgPwAAAAAAAOA/AAAAAAAA4D8CAAAAjAAAAAAAAAAAAAAAT4G9DP///wgAAAAAAAAAAAAAAAAAAAAAAAAAAAAAAAAAAAAAZAAAAAEAAABAAAAAAAAAAAAAAAAAAAAAAAAAAAAAAAAAAAAAAAAAAAAAAAAAAAAAAAAAAAAAAAAAAAAAAAAAAAAAAAAAAAAAAAAAAAAAAAAAAAAAAAAAAAAAAAAAAAAAFAAAADwAAAAAAAAAAAAAAAAAAAkUAAAAAQAAABQAAAAUAAAAFAAAAAEAAAAAAAAAZAAAAGQAAAAAAAAAZAAAAGQAAAAVAAAAYAAAAAAAAAAAAAAADwAAACADAAAAAAAAAAAAAAEAAACgMgAAVgcAAKr4//8BAAAAf39/AAEAAABkAAAAAAAAABQAAABAHwAAAAAAACYAAAAAAAAAwOD//wAAAAAmAAAAZAAAABYAAABMAAAAAAAAAAAAAAAEAAAAAAAAAAEAAADu7OEKAAAAACgAAAAoAAAAZAAAAGQAAAAAAAAAzMzMAAAAAABQAAAAUAAAAGQAAABkAAAAAAAAAAcAAAA4AAAAAAAAAAAAAAAAAAAA////AAAAAAAAAAAAAAAAAAAAAAAAAAAAAAAAAAAAAABkAAAAZAAAAAAAAAAjAAAABAAAAGQAAAAXAAAAFAAAAAAAAAAAAAAA/38AAP9/AAAAAAAACQAAAAQAAAAAAAAADAAAABAAAAAAAAAAAAAAAAAAAAAAAAAAHgAAAGgAAAAAAAAAAAAAAAAAAAAAAAAAAAAAABAnAAAQJwAAAAAAAAAAAAAAAAAAAAAAAAAAAAAAAAAAAAAAAAAAAAAUAAAAAAAAAMDA/wAAAAAAZAAAADIAAAAAAAAAZAAAAAAAAAB/f38ACgAAAB8AAABUAAAAT4G9Bf///wEAAAAAAAAAAAAAAAAAAAAAAAAAAAAAAAAAAAAAAAAAAAAAAAJ/f38A7uzhA8zMzADAwP8Af39/AAAAAAAAAAAAAAAAAP///wAAAAAAIQAAABgAAAAUAAAAGAIAAKQRAAAUTQAA3jQAABAAAAAmAAAACAAAAP//////////"/>
+              </a:ext>
+            </a:extLst>
+          </p:cNvPicPr>
+          <p:nvPr/>
+        </p:nvPicPr>
+        <p:blipFill>
+          <a:blip r:embed="rId2"/>
+          <a:stretch>
+            <a:fillRect/>
+          </a:stretch>
+        </p:blipFill>
+        <p:spPr>
+          <a:xfrm>
+            <a:off x="340360" y="2867660"/>
+            <a:ext cx="12189460" cy="5726430"/>
+          </a:xfrm>
+          <a:prstGeom prst="rect">
+            <a:avLst/>
+          </a:prstGeom>
+          <a:noFill/>
+          <a:ln>
+            <a:noFill/>
+          </a:ln>
+          <a:effectLst/>
+        </p:spPr>
+      </p:pic>
     </p:spTree>
   </p:cSld>
   <p:clrMapOvr>
     <a:masterClrMapping/>
   </p:clrMapOvr>
-  <p:timing>
-    <p:tnLst>
-      <p:par>
-        <p:cTn id="1" dur="indefinite" restart="never" nodeType="tmRoot"/>
-      </p:par>
-    </p:tnLst>
-  </p:timing>
 </p:sld>
 </file>
 
-<file path=ppt/slides/slide8.xml><?xml version="1.0" encoding="utf-8"?>
-<p:sld xmlns:p="http://schemas.openxmlformats.org/presentationml/2006/main" xmlns:p14="http://schemas.microsoft.com/office/powerpoint/2010/main" xmlns:r="http://schemas.openxmlformats.org/officeDocument/2006/relationships" xmlns:a="http://schemas.openxmlformats.org/drawingml/2006/main">
+<file path=ppt/slides/slide9.xml><?xml version="1.0" encoding="utf-8"?>
+<p:sld xmlns:a="http://schemas.openxmlformats.org/drawingml/2006/main" xmlns:r="http://schemas.openxmlformats.org/officeDocument/2006/relationships" xmlns:p="http://schemas.openxmlformats.org/presentationml/2006/main">
   <p:cSld>
     <p:spTree>
       <p:nvGrpSpPr>
@@ -8975,7 +9665,7 @@
             <a:spLocks noGrp="1" noChangeArrowheads="1"/>
             <a:extLst>
               <a:ext uri="smNativeData">
-                <pr:smNativeData xmlns:pr="smNativeData" val="SMDATA_13_eIVQYBMAAAAlAAAAZAAAAA0AAAAAAAAAAAAAAAAAAAAAAAAAAAAAAAAAAAAAAAAAAAEAAABQAAAAAAAAAAAA4D8AAAAAAADgPwAAAAAAAOA/AAAAAAAA4D8AAAAAAADgPwAAAAAAAOA/AAAAAAAA4D8AAAAAAADgPwAAAAAAAOA/AAAAAAAA4D8CAAAAjAAAAAAAAAAAAAAA////AP///wgAAAAAAAAAAAAAAAAAAAAAAAAAAAAAAAAAAAAAeAAAAAEAAABAAAAAAAAAAAAAAABaAAAAAAAAAAAAAAAAAAAAAAAAAAAAAAAAAAAAAAAAAAAAAAAAAAAAAAAAAAAAAAAAAAAAAAAAAAAAAAAAAAAAAAAAAAAAAAAAAAAAFAAAADwAAAAAAAAAAAAAAAAAAAAPAAAAAQAAACMAAAAjAAAAIwAAAB4AAAAAAAAAZAAAAGQAAAAAAAAAZAAAAGQAAAAVAAAAYAAAAAAAAAAAAAAADwAAACADAAAAAAAAAAAAAAEAAACgMgAAVgcAAKr4//8BAAAAf39/AAEAAABkAAAAAAAAABQAAABAHwAAAAAAACYAAAAAAAAAwOD//wAAAAAmAAAAZAAAABYAAABMAAAAAAAAAAAAAAAEAAAAAAAAAAEAAADu7OEKAAAAACgAAAAoAAAAZAAAAGQAAAAAAAAAzMzMAAAAAABQAAAAUAAAAGQAAABkAAAAAAAAABcAAAAUAAAAAAAAAAAAAAD/fwAA/38AAAAAAAAJAAAABAAAAEEAQQAMAAAAEAAAAAAAAAAAAAAAAAAAAAAAAAAeAAAAaAAAAAAAAAAAAAAAAAAAAAAAAAAAAAAAECcAABAnAAAAAAAAAAAAAAAAAAAAAAAAAAAAAAAAAAAAAAAAAAAAABQAAAAAAAAAwMD/AAAAAABkAAAAMgAAAAAAAABkAAAAAAAAAH9/fwAKAAAAHwAAAFQAAAD///8A////AQAAAAAAAAAAAAAAAAAAAAAAAAAAAAAAAAAAAAAAAAAAAAAAAH9/fwDu7OEDzMzMAMDA/wB/f38AAAAAAAAAAAAAAAAAAAAAAAAAAAAhAAAAGAAAABQAAADIBQAAiQsAAHpIAACpDwAAEAAAACYAAAAIAAAAAQAAAAAAAAA="/>
+                <pr:smNativeData xmlns:pr="smNativeData" xmlns:p14="http://schemas.microsoft.com/office/powerpoint/2010/main" xmlns="" val="SMDATA_13_eIVQYBMAAAAlAAAAZAAAAA0AAAAAAAAAAAAAAAAAAAAAAAAAAAAAAAAAAAAAAAAAAAEAAABQAAAAAAAAAAAA4D8AAAAAAADgPwAAAAAAAOA/AAAAAAAA4D8AAAAAAADgPwAAAAAAAOA/AAAAAAAA4D8AAAAAAADgPwAAAAAAAOA/AAAAAAAA4D8CAAAAjAAAAAAAAAAAAAAA////AP///wgAAAAAAAAAAAAAAAAAAAAAAAAAAAAAAAAAAAAAeAAAAAEAAABAAAAAAAAAAAAAAABaAAAAAAAAAAAAAAAAAAAAAAAAAAAAAAAAAAAAAAAAAAAAAAAAAAAAAAAAAAAAAAAAAAAAAAAAAAAAAAAAAAAAAAAAAAAAAAAAAAAAFAAAADwAAAAAAAAAAAAAAAAAAAAPAAAAAQAAACMAAAAjAAAAIwAAAB4AAAAAAAAAZAAAAGQAAAAAAAAAZAAAAGQAAAAVAAAAYAAAAAAAAAAAAAAADwAAACADAAAAAAAAAAAAAAEAAACgMgAAVgcAAKr4//8BAAAAf39/AAEAAABkAAAAAAAAABQAAABAHwAAAAAAACYAAAAAAAAAwOD//wAAAAAmAAAAZAAAABYAAABMAAAAAAAAAAAAAAAEAAAAAAAAAAEAAADu7OEKAAAAACgAAAAoAAAAZAAAAGQAAAAAAAAAzMzMAAAAAABQAAAAUAAAAGQAAABkAAAAAAAAABcAAAAUAAAAAAAAAAAAAAD/fwAA/38AAAAAAAAJAAAABAAAAC5kaWEMAAAAEAAAAAAAAAAAAAAAAAAAAAAAAAAeAAAAaAAAAAAAAAAAAAAAAAAAAAAAAAAAAAAAECcAABAnAAAAAAAAAAAAAAAAAAAAAAAAAAAAAAAAAAAAAAAAAAAAABQAAAAAAAAAwMD/AAAAAABkAAAAMgAAAAAAAABkAAAAAAAAAH9/fwAKAAAAHwAAAFQAAAD///8A////AQAAAAAAAAAAAAAAAAAAAAAAAAAAAAAAAAAAAAAAAAAAAAAAAH9/fwDu7OEDzMzMAMDA/wB/f38AAAAAAAAAAAAAAAAAAAAAAAAAAAAhAAAAGAAAABQAAADIBQAAiQsAAHpIAACpDwAAEAAAACYAAAAIAAAAAQAAAAAAAAA="/>
               </a:ext>
             </a:extLst>
           </p:cNvSpPr>
@@ -8997,7 +9687,8 @@
               <a:defRPr lang="en-gb"/>
             </a:pPr>
             <a:r>
-              <a:t>Approach – System requirements</a:t>
+              <a:rPr dirty="0"/>
+              <a:t>Approach – Services I</a:t>
             </a:r>
           </a:p>
         </p:txBody>
@@ -9009,7 +9700,7 @@
             <a:spLocks noGrp="1" noChangeArrowheads="1"/>
             <a:extLst>
               <a:ext uri="smNativeData">
-                <pr:smNativeData xmlns:pr="smNativeData" val="SMDATA_13_eIVQYBMAAAAlAAAAZAAAAA0AAAAAAAAAAAAAAAAAAAAAAAAAAAAAAAAAAAAAAAAAAAEAAABQAAAAAAAAAAAA4D8AAAAAAADgPwAAAAAAAOA/AAAAAAAA4D8AAAAAAADgPwAAAAAAAOA/AAAAAAAA4D8AAAAAAADgPwAAAAAAAOA/AAAAAAAA4D8CAAAAjAAAAAAAAAAAAAAA////AP///wgAAAAAAAAAAAAAAAAAAAAAAAAAAAAAAAAAAAAAeAAAAAEAAABAAAAAAAAAAAAAAABaAAAAAAAAAAAAAAAAAAAAAAAAAAAAAAAAAAAAAAAAAAAAAAAAAAAAAAAAAAAAAAAAAAAAAAAAAAAAAAAAAAAAAAAAAAAAAAAAAAAAFAAAADwAAAAAAAAAAAAAAAAAAAAPAAAAAQAAACMAAAAjAAAAIwAAAB4AAAAAAAAAZAAAAGQAAAAAAAAAZAAAAGQAAAAVAAAAYAAAAAAAAAAAAAAADwAAACADAAAAAAAAAAAAAAEAAACgMgAAVgcAAKr4//8BAAAAf39/AAEAAABkAAAAAAAAABQAAABAHwAAAAAAACYAAAAAAAAAwOD//wAAAAAmAAAAZAAAABYAAABMAAAAAAAAAAAAAAAEAAAAAAAAAAEAAADu7OEKAAAAACgAAAAoAAAAZAAAAGQAAAAAAAAAzMzMAAAAAABQAAAAUAAAAGQAAABkAAAAAAAAABcAAAAUAAAAAAAAAAAAAAD/fwAA/38AAAAAAAAJAAAABAAAAEEAQQAMAAAAEAAAAAAAAAAAAAAAAAAAAAAAAAAeAAAAaAAAAAAAAAAAAAAAAAAAAAAAAAAAAAAAECcAABAnAAAAAAAAAAAAAAAAAAAAAAAAAAAAAAAAAAAAAAAAAAAAABQAAAAAAAAAwMD/AAAAAABkAAAAMgAAAAAAAABkAAAAAAAAAH9/fwAKAAAAHwAAAFQAAAD///8A////AQAAAAAAAAAAAAAAAAAAAAAAAAAAAAAAAAAAAAAAAAAAAAAAAH9/fwDu7OEDzMzMAMDA/wB/f38AAAAAAAAAAAAAAAAAAAAAAAAAAAAhAAAAGAAAABQAAADIBQAAwBIAAJJIAADKLgAAAAAAACYAAAAIAAAAAYAAAAAAAAA="/>
+                <pr:smNativeData xmlns:pr="smNativeData" xmlns:p14="http://schemas.microsoft.com/office/powerpoint/2010/main" xmlns="" val="SMDATA_13_eIVQYBMAAAAlAAAAZAAAAA0AAAAAAAAAAAAAAAAAAAAAAAAAAAAAAAAAAAAAAAAAAAEAAABQAAAAAAAAAAAA4D8AAAAAAADgPwAAAAAAAOA/AAAAAAAA4D8AAAAAAADgPwAAAAAAAOA/AAAAAAAA4D8AAAAAAADgPwAAAAAAAOA/AAAAAAAA4D8CAAAAjAAAAAAAAAAAAAAA////AP///wgAAAAAAAAAAAAAAAAAAAAAAAAAAAAAAAAAAAAAeAAAAAEAAABAAAAAAAAAAAAAAABaAAAAAAAAAAAAAAAAAAAAAAAAAAAAAAAAAAAAAAAAAAAAAAAAAAAAAAAAAAAAAAAAAAAAAAAAAAAAAAAAAAAAAAAAAAAAAAAAAAAAFAAAADwAAAAAAAAAAAAAAAAAAAAPAAAAAQAAACMAAAAjAAAAIwAAAB4AAAAAAAAAZAAAAGQAAAAAAAAAZAAAAGQAAAAVAAAAYAAAAAAAAAAAAAAADwAAACADAAAAAAAAAAAAAAEAAACgMgAAVgcAAKr4//8BAAAAf39/AAEAAABkAAAAAAAAABQAAABAHwAAAAAAACYAAAAAAAAAwOD//wAAAAAmAAAAZAAAABYAAABMAAAAAAAAAAAAAAAEAAAAAAAAAAEAAADu7OEKAAAAACgAAAAoAAAAZAAAAGQAAAAAAAAAzMzMAAAAAABQAAAAUAAAAGQAAABkAAAAAAAAABcAAAAUAAAAAAAAAAAAAAD/fwAA/38AAAAAAAAJAAAABAAAAAAAAAAMAAAAEAAAAAAAAAAAAAAAAAAAAAAAAAAeAAAAaAAAAAAAAAAAAAAAAAAAAAAAAAAAAAAAECcAABAnAAAAAAAAAAAAAAAAAAAAAAAAAAAAAAAAAAAAAAAAAAAAABQAAAAAAAAAwMD/AAAAAABkAAAAMgAAAAAAAABkAAAAAAAAAH9/fwAKAAAAHwAAAFQAAAD///8A////AQAAAAAAAAAAAAAAAAAAAAAAAAAAAAAAAAAAAAAAAAAAAAAAAH9/fwDu7OEDzMzMAMDA/wB/f38AAAAAAAAAAAAAAAAAAAAAAAAAAAAhAAAAGAAAABQAAADIBQAAwBIAAHpIAADDMgAAEAAAACYAAAAIAAAAAYAAAAAAAAA="/>
               </a:ext>
             </a:extLst>
           </p:cNvSpPr>
@@ -9020,7 +9711,7 @@
         <p:spPr>
           <a:xfrm>
             <a:off x="939800" y="3048000"/>
-            <a:ext cx="10857230" cy="4558030"/>
+            <a:ext cx="10841990" cy="5203825"/>
           </a:xfrm>
         </p:spPr>
         <p:txBody>
@@ -9037,7 +9728,7 @@
                 <a:schemeClr val="accent1"/>
               </a:buClr>
               <a:buSzPts val="2910"/>
-              <a:buFont typeface="Wingdings" pitchFamily="0" charset="0"/>
+              <a:buFont typeface="Wingdings" charset="0"/>
               <a:buChar char="§"/>
               <a:tabLst/>
               <a:defRPr lang="de-de" sz="2800" b="0" i="0" baseline="0">
@@ -9068,7 +9759,7 @@
               <a:lnSpc>
                 <a:spcPct val="150000"/>
               </a:lnSpc>
-              <a:buFont typeface="Wingdings" pitchFamily="0" charset="0"/>
+              <a:buFont typeface="Wingdings" charset="0"/>
               <a:buChar char="§"/>
               <a:defRPr lang="de-de" sz="2000" b="0" i="0" baseline="0">
                 <a:solidFill>
@@ -9103,59 +9794,64 @@
               <a:defRPr lang="de-de"/>
             </a:pPr>
             <a:r>
-              <a:t>System → Detect sensor accesses → Notify the user</a:t>
-            </a:r>
-          </a:p>
-          <a:p>
-            <a:pPr>
-              <a:defRPr lang="de-de"/>
-            </a:pPr>
-            <a:r>
-              <a:t>User → Suspend the sensor usage</a:t>
-            </a:r>
-          </a:p>
-          <a:p>
-            <a:pPr>
-              <a:defRPr lang="de-de"/>
-            </a:pPr>
-            <a:r>
-              <a:t>User Interface → Designed following the general principles</a:t>
-            </a:r>
-          </a:p>
-          <a:p>
-            <a:pPr>
-              <a:defRPr lang="de-de"/>
-            </a:pPr>
-            <a:r>
-              <a:t>Feedbacks → adapted to the core settings of the device</a:t>
-            </a:r>
-          </a:p>
-          <a:p>
-            <a:pPr>
-              <a:defRPr lang="de-de"/>
-            </a:pPr>
-            <a:r>
-              <a:t>Communication → minimal, fast and efficient</a:t>
-            </a:r>
-          </a:p>
-          <a:p>
-            <a:pPr>
-              <a:defRPr lang="de-de"/>
-            </a:pPr>
-            <a:r>
-              <a:t>User → should feel comfortable and have control over their privacy</a:t>
-            </a:r>
-          </a:p>
-          <a:p>
-            <a:pPr>
-              <a:defRPr lang="de-de"/>
-            </a:pPr>
-          </a:p>
-          <a:p>
-            <a:pPr>
-              <a:defRPr lang="de-de"/>
-            </a:pPr>
-            <a:endParaRPr lang="en-gb"/>
+              <a:rPr dirty="0"/>
+              <a:t>Human activity services:</a:t>
+            </a:r>
+          </a:p>
+          <a:p>
+            <a:pPr lvl="1">
+              <a:defRPr lang="de-de"/>
+            </a:pPr>
+            <a:r>
+              <a:rPr dirty="0"/>
+              <a:t>Health – Heart rate monitor</a:t>
+            </a:r>
+          </a:p>
+          <a:p>
+            <a:pPr lvl="1">
+              <a:defRPr lang="de-de"/>
+            </a:pPr>
+            <a:r>
+              <a:rPr dirty="0"/>
+              <a:t>Location – GPS </a:t>
+            </a:r>
+          </a:p>
+          <a:p>
+            <a:pPr lvl="1">
+              <a:defRPr lang="de-de"/>
+            </a:pPr>
+            <a:r>
+              <a:rPr dirty="0"/>
+              <a:t>Activity – Pedometer</a:t>
+            </a:r>
+          </a:p>
+          <a:p>
+            <a:pPr>
+              <a:defRPr lang="de-de"/>
+            </a:pPr>
+            <a:r>
+              <a:rPr dirty="0"/>
+              <a:t>Privacy permission service</a:t>
+            </a:r>
+          </a:p>
+          <a:p>
+            <a:pPr lvl="1">
+              <a:defRPr lang="de-de"/>
+            </a:pPr>
+            <a:r>
+              <a:rPr lang="de-DE" dirty="0"/>
+              <a:t>Checks and asks the user for privileges</a:t>
+            </a:r>
+          </a:p>
+          <a:p>
+            <a:pPr lvl="2">
+              <a:defRPr lang="de-de"/>
+            </a:pPr>
+            <a:r>
+              <a:rPr lang="de-DE" dirty="0"/>
+              <a:t>E.g. Sensor access privilege</a:t>
+            </a:r>
+            <a:endParaRPr dirty="0"/>
           </a:p>
         </p:txBody>
       </p:sp>
@@ -9166,7 +9862,7 @@
             <a:spLocks noGrp="1" noChangeArrowheads="1"/>
             <a:extLst>
               <a:ext uri="smNativeData">
-                <pr:smNativeData xmlns:pr="smNativeData" val="SMDATA_13_eIVQYBMAAAAlAAAAZAAAAA0AAAAAAAAAAAAAAAAAAAAAAAAAAAAAAAAAAAAAAAAAAAEAAABQAAAAAAAAAAAA4D8AAAAAAADgPwAAAAAAAOA/AAAAAAAA4D8AAAAAAADgPwAAAAAAAOA/AAAAAAAA4D8AAAAAAADgPwAAAAAAAOA/AAAAAAAA4D8CAAAAjAAAAAAAAAAAAAAA////AP///wgAAAAAAAAAAAAAAAAAAAAAAAAAAAAAAAAAAAAAeAAAAAEAAABAAAAAAAAAAAAAAABaAAAAAAAAAAAAAAAAAAAAAAAAAAAAAAAAAAAAAAAAAAAAAAAAAAAAAAAAAAAAAAAAAAAAAAAAAAAAAAAAAAAAAAAAAAAAAAAAAAAAFAAAADwAAAAAAAAAAAAAAAAAAAAPAAAAAQAAACMAAAAjAAAAIwAAAB4AAAAAAAAAZAAAAGQAAAAAAAAAZAAAAGQAAAAVAAAAYAAAAAAAAAAAAAAADwAAACADAAAAAAAAAAAAAAEAAACgMgAAVgcAAKr4//8BAAAAf39/AAEAAABkAAAAAAAAABQAAABAHwAAAAAAACYAAAAAAAAAwOD//wAAAAAmAAAAZAAAABYAAABMAAAAAAAAAAAAAAAEAAAAAAAAAAEAAADu7OEKAAAAACgAAAAoAAAAZAAAAGQAAAAAAAAAzMzMAAAAAABQAAAAUAAAAGQAAABkAAAAAAAAABcAAAAUAAAAAAAAAAAAAAD/fwAA/38AAAAAAAAJAAAABAAAAEEAQQAMAAAAEAAAAAAAAAAAAAAAAAAAAAAAAAAeAAAAaAAAAAAAAAAAAAAAAAAAAAAAAAAAAAAAECcAABAnAAAAAAAAAAAAAAAAAAAAAAAAAAAAAAAAAAAAAAAAAAAAABQAAAAAAAAAwMD/AAAAAABkAAAAMgAAAAAAAABkAAAAAAAAAH9/fwAKAAAAHwAAAFQAAAD///8A////AQAAAAAAAAAAAAAAAAAAAAAAAAAAAAAAAAAAAAAAAAAAAAAAAH9/fwDu7OEDzMzMAMDA/wB/f38AAAAAAAAAAAAAAAAAAAAAAAAAAAAhAAAAGAAAABQAAADqAQAA4DgAAPAKAACYOgAAEAAAACYAAAAIAAAAAAAAAAAAAAA="/>
+                <pr:smNativeData xmlns:pr="smNativeData" xmlns:p14="http://schemas.microsoft.com/office/powerpoint/2010/main" xmlns="" val="SMDATA_13_eIVQYBMAAAAlAAAAZAAAAA0AAAAAAAAAAAAAAAAAAAAAAAAAAAAAAAAAAAAAAAAAAAEAAABQAAAAAAAAAAAA4D8AAAAAAADgPwAAAAAAAOA/AAAAAAAA4D8AAAAAAADgPwAAAAAAAOA/AAAAAAAA4D8AAAAAAADgPwAAAAAAAOA/AAAAAAAA4D8CAAAAjAAAAAAAAAAAAAAA////AP///wgAAAAAAAAAAAAAAAAAAAAAAAAAAAAAAAAAAAAAeAAAAAEAAABAAAAAAAAAAAAAAABaAAAAAAAAAAAAAAAAAAAAAAAAAAAAAAAAAAAAAAAAAAAAAAAAAAAAAAAAAAAAAAAAAAAAAAAAAAAAAAAAAAAAAAAAAAAAAAAAAAAAFAAAADwAAAAAAAAAAAAAAAAAAAAPAAAAAQAAACMAAAAjAAAAIwAAAB4AAAAAAAAAZAAAAGQAAAAAAAAAZAAAAGQAAAAVAAAAYAAAAAAAAAAAAAAADwAAACADAAAAAAAAAAAAAAEAAACgMgAAVgcAAKr4//8BAAAAf39/AAEAAABkAAAAAAAAABQAAABAHwAAAAAAACYAAAAAAAAAwOD//wAAAAAmAAAAZAAAABYAAABMAAAAAAAAAAAAAAAEAAAAAAAAAAEAAADu7OEKAAAAACgAAAAoAAAAZAAAAGQAAAAAAAAAzMzMAAAAAABQAAAAUAAAAGQAAABkAAAAAAAAABcAAAAUAAAAAAAAAAAAAAD/fwAA/38AAAAAAAAJAAAABAAAAAAAAAAMAAAAEAAAAAAAAAAAAAAAAAAAAAAAAAAeAAAAaAAAAAAAAAAAAAAAAAAAAAAAAAAAAAAAECcAABAnAAAAAAAAAAAAAAAAAAAAAAAAAAAAAAAAAAAAAAAAAAAAABQAAAAAAAAAwMD/AAAAAABkAAAAMgAAAAAAAABkAAAAAAAAAH9/fwAKAAAAHwAAAFQAAAD///8A////AQAAAAAAAAAAAAAAAAAAAAAAAAAAAAAAAAAAAAAAAAAAAAAAAH9/fwDu7OEDzMzMAMDA/wB/f38AAAAAAAAAAAAAAAAAAAAAAAAAAAAhAAAAGAAAABQAAADqAQAA4DgAAPAKAACYOgAAEAAAACYAAAAIAAAAAAAAAAAAAAA="/>
               </a:ext>
             </a:extLst>
           </p:cNvSpPr>
@@ -9195,7 +9891,7 @@
             <a:spLocks noGrp="1" noChangeArrowheads="1"/>
             <a:extLst>
               <a:ext uri="smNativeData">
-                <pr:smNativeData xmlns:pr="smNativeData" val="SMDATA_13_eIVQYBMAAAAlAAAAZAAAAA0AAAAAAAAAAAAAAAAAAAAAAAAAAAAAAAAAAAAAAAAAAAEAAABQAAAAAAAAAAAA4D8AAAAAAADgPwAAAAAAAOA/AAAAAAAA4D8AAAAAAADgPwAAAAAAAOA/AAAAAAAA4D8AAAAAAADgPwAAAAAAAOA/AAAAAAAA4D8CAAAAjAAAAAAAAAAAAAAA////AP///wgAAAAAAAAAAAAAAAAAAAAAAAAAAAAAAAAAAAAAeAAAAAEAAABAAAAAAAAAAAAAAABaAAAAAAAAAAAAAAAAAAAAAAAAAAAAAAAAAAAAAAAAAAAAAAAAAAAAAAAAAAAAAAAAAAAAAAAAAAAAAAAAAAAAAAAAAAAAAAAAAAAAFAAAADwAAAAAAAAAAAAAAAAAAAAPAAAAAQAAACMAAAAjAAAAIwAAAB4AAAAAAAAAZAAAAGQAAAAAAAAAZAAAAGQAAAAVAAAAYAAAAAAAAAAAAAAADwAAACADAAAAAAAAAAAAAAEAAACgMgAAVgcAAKr4//8BAAAAf39/AAEAAABkAAAAAAAAABQAAABAHwAAAAAAACYAAAAAAAAAwOD//wAAAAAmAAAAZAAAABYAAABMAAAAAAAAAAAAAAAEAAAAAAAAAAEAAADu7OEKAAAAACgAAAAoAAAAZAAAAGQAAAAAAAAAzMzMAAAAAABQAAAAUAAAAGQAAABkAAAAAAAAABcAAAAUAAAAAAAAAAAAAAD/fwAA/38AAAAAAAAJAAAABAAAAEEAQQAMAAAAEAAAAAAAAAAAAAAAAAAAAAAAAAAeAAAAaAAAAAAAAAAAAAAAAAAAAAAAAAAAAAAAECcAABAnAAAAAAAAAAAAAAAAAAAAAAAAAAAAAAAAAAAAAAAAAAAAABQAAAAAAAAAwMD/AAAAAABkAAAAMgAAAAAAAABkAAAAAAAAAH9/fwAKAAAAHwAAAFQAAAD///8A////AQAAAAAAAAAAAAAAAAAAAAAAAAAAAAAAAAAAAAAAAAAAAAAAAH9/fwDu7OEDzMzMAMDA/wB/f38AAAAAAAAAAAAAAAAAAAAAAAAAAAAhAAAAGAAAABQAAADQSAAAGDkAABZOAACYOgAAEAAAACYAAAAIAAAAAAAAAAAAAAA="/>
+                <pr:smNativeData xmlns:pr="smNativeData" xmlns:p14="http://schemas.microsoft.com/office/powerpoint/2010/main" xmlns="" val="SMDATA_13_eIVQYBMAAAAlAAAAZAAAAA0AAAAAAAAAAAAAAAAAAAAAAAAAAAAAAAAAAAAAAAAAAAEAAABQAAAAAAAAAAAA4D8AAAAAAADgPwAAAAAAAOA/AAAAAAAA4D8AAAAAAADgPwAAAAAAAOA/AAAAAAAA4D8AAAAAAADgPwAAAAAAAOA/AAAAAAAA4D8CAAAAjAAAAAAAAAAAAAAA////AP///wgAAAAAAAAAAAAAAAAAAAAAAAAAAAAAAAAAAAAAeAAAAAEAAABAAAAAAAAAAAAAAABaAAAAAAAAAAAAAAAAAAAAAAAAAAAAAAAAAAAAAAAAAAAAAAAAAAAAAAAAAAAAAAAAAAAAAAAAAAAAAAAAAAAAAAAAAAAAAAAAAAAAFAAAADwAAAAAAAAAAAAAAAAAAAAPAAAAAQAAACMAAAAjAAAAIwAAAB4AAAAAAAAAZAAAAGQAAAAAAAAAZAAAAGQAAAAVAAAAYAAAAAAAAAAAAAAADwAAACADAAAAAAAAAAAAAAEAAACgMgAAVgcAAKr4//8BAAAAf39/AAEAAABkAAAAAAAAABQAAABAHwAAAAAAACYAAAAAAAAAwOD//wAAAAAmAAAAZAAAABYAAABMAAAAAAAAAAAAAAAEAAAAAAAAAAEAAADu7OEKAAAAACgAAAAoAAAAZAAAAGQAAAAAAAAAzMzMAAAAAABQAAAAUAAAAGQAAABkAAAAAAAAABcAAAAUAAAAAAAAAAAAAAD/fwAA/38AAAAAAAAJAAAABAAAAAAAAAAMAAAAEAAAAAAAAAAAAAAAAAAAAAAAAAAeAAAAaAAAAAAAAAAAAAAAAAAAAAAAAAAAAAAAECcAABAnAAAAAAAAAAAAAAAAAAAAAAAAAAAAAAAAAAAAAAAAAAAAABQAAAAAAAAAwMD/AAAAAABkAAAAMgAAAAAAAABkAAAAAAAAAH9/fwAKAAAAHwAAAFQAAAD///8A////AQAAAAAAAAAAAAAAAAAAAAAAAAAAAAAAAAAAAAAAAAAAAAAAAH9/fwDu7OEDzMzMAMDA/wB/f38AAAAAAAAAAAAAAAAAAAAAAAAAAAAhAAAAGAAAABQAAADQSAAAGDkAABZOAACYOgAAEAAAACYAAAAIAAAAAAAAAAAAAAA="/>
               </a:ext>
             </a:extLst>
           </p:cNvSpPr>
@@ -9211,9 +9907,10 @@
             <a:pPr>
               <a:defRPr lang="de-de"/>
             </a:pPr>
-            <a:fld id="{26FC97FF-B1CB-A961-8544-4734D90A7312}" type="slidenum">
-              <a:t>8</a:t>
+            <a:fld id="{4D234438-76A0-76B2-EE9B-80E70AD518D5}" type="slidenum">
+              <a:t>9</a:t>
             </a:fld>
+            <a:endParaRPr/>
           </a:p>
         </p:txBody>
       </p:sp>
@@ -9222,280 +9919,6 @@
   <p:clrMapOvr>
     <a:masterClrMapping/>
   </p:clrMapOvr>
-  <p:timing>
-    <p:tnLst>
-      <p:par>
-        <p:cTn id="1" dur="indefinite" restart="never" nodeType="tmRoot"/>
-      </p:par>
-    </p:tnLst>
-  </p:timing>
-</p:sld>
-</file>
-
-<file path=ppt/slides/slide9.xml><?xml version="1.0" encoding="utf-8"?>
-<p:sld xmlns:p="http://schemas.openxmlformats.org/presentationml/2006/main" xmlns:p14="http://schemas.microsoft.com/office/powerpoint/2010/main" xmlns:r="http://schemas.openxmlformats.org/officeDocument/2006/relationships" xmlns:a="http://schemas.openxmlformats.org/drawingml/2006/main">
-  <p:cSld>
-    <p:spTree>
-      <p:nvGrpSpPr>
-        <p:cNvPr id="1" name=""/>
-        <p:cNvGrpSpPr/>
-        <p:nvPr/>
-      </p:nvGrpSpPr>
-      <p:grpSpPr>
-        <a:xfrm>
-          <a:off x="0" y="0"/>
-          <a:ext cx="0" cy="0"/>
-          <a:chOff x="0" y="0"/>
-          <a:chExt cx="0" cy="0"/>
-        </a:xfrm>
-      </p:grpSpPr>
-      <p:sp>
-        <p:nvSpPr>
-          <p:cNvPr id="2" name="Titre 1"/>
-          <p:cNvSpPr>
-            <a:spLocks noGrp="1" noChangeArrowheads="1"/>
-            <a:extLst>
-              <a:ext uri="smNativeData">
-                <pr:smNativeData xmlns:pr="smNativeData" val="SMDATA_13_eIVQYBMAAAAlAAAAZAAAAA0AAAAAAAAAAAAAAAAAAAAAAAAAAAAAAAAAAAAAAAAAAAEAAABQAAAAAAAAAAAA4D8AAAAAAADgPwAAAAAAAOA/AAAAAAAA4D8AAAAAAADgPwAAAAAAAOA/AAAAAAAA4D8AAAAAAADgPwAAAAAAAOA/AAAAAAAA4D8CAAAAjAAAAAAAAAAAAAAA////AP///wgAAAAAAAAAAAAAAAAAAAAAAAAAAAAAAAAAAAAAeAAAAAEAAABAAAAAAAAAAAAAAABaAAAAAAAAAAAAAAAAAAAAAAAAAAAAAAAAAAAAAAAAAAAAAAAAAAAAAAAAAAAAAAAAAAAAAAAAAAAAAAAAAAAAAAAAAAAAAAAAAAAAFAAAADwAAAAAAAAAAAAAAAAAAAAPAAAAAQAAACMAAAAjAAAAIwAAAB4AAAAAAAAAZAAAAGQAAAAAAAAAZAAAAGQAAAAVAAAAYAAAAAAAAAAAAAAADwAAACADAAAAAAAAAAAAAAEAAACgMgAAVgcAAKr4//8BAAAAf39/AAEAAABkAAAAAAAAABQAAABAHwAAAAAAACYAAAAAAAAAwOD//wAAAAAmAAAAZAAAABYAAABMAAAAAAAAAAAAAAAEAAAAAAAAAAEAAADu7OEKAAAAACgAAAAoAAAAZAAAAGQAAAAAAAAAzMzMAAAAAABQAAAAUAAAAGQAAABkAAAAAAAAABcAAAAUAAAAAAAAAAAAAAD/fwAA/38AAAAAAAAJAAAABAAAAEEAQQAMAAAAEAAAAAAAAAAAAAAAAAAAAAAAAAAeAAAAaAAAAAAAAAAAAAAAAAAAAAAAAAAAAAAAECcAABAnAAAAAAAAAAAAAAAAAAAAAAAAAAAAAAAAAAAAAAAAAAAAABQAAAAAAAAAwMD/AAAAAABkAAAAMgAAAAAAAABkAAAAAAAAAH9/fwAKAAAAHwAAAFQAAAD///8A////AQAAAAAAAAAAAAAAAAAAAAAAAAAAAAAAAAAAAAAAAAAAAAAAAH9/fwDu7OEDzMzMAMDA/wB/f38AAAAAAAAAAAAAAAAAAAAAAAAAAAAhAAAAGAAAABQAAADIBQAAiQsAAHpIAACpDwAAEAAAACYAAAAIAAAAAQAAAAAAAAA="/>
-              </a:ext>
-            </a:extLst>
-          </p:cNvSpPr>
-          <p:nvPr>
-            <p:ph type="title"/>
-          </p:nvPr>
-        </p:nvSpPr>
-        <p:spPr>
-          <a:xfrm>
-            <a:off x="939800" y="1875155"/>
-            <a:ext cx="10841990" cy="670560"/>
-          </a:xfrm>
-        </p:spPr>
-        <p:txBody>
-          <a:bodyPr/>
-          <a:lstStyle/>
-          <a:p>
-            <a:pPr>
-              <a:defRPr lang="en-gb"/>
-            </a:pPr>
-            <a:r>
-              <a:t>Approach – System Overview</a:t>
-            </a:r>
-          </a:p>
-        </p:txBody>
-      </p:sp>
-      <p:sp>
-        <p:nvSpPr>
-          <p:cNvPr id="3" name="Espace réservé du texte 2"/>
-          <p:cNvSpPr>
-            <a:spLocks noGrp="1" noChangeArrowheads="1"/>
-            <a:extLst>
-              <a:ext uri="smNativeData">
-                <pr:smNativeData xmlns:pr="smNativeData" val="SMDATA_13_eIVQYBMAAAAlAAAAZAAAAA0AAAAAAAAAAAAAAAAAAAAAAAAAAAAAAAAAAAAAAAAAAAEAAABQAAAAAAAAAAAA4D8AAAAAAADgPwAAAAAAAOA/AAAAAAAA4D8AAAAAAADgPwAAAAAAAOA/AAAAAAAA4D8AAAAAAADgPwAAAAAAAOA/AAAAAAAA4D8CAAAAjAAAAAAAAAAAAAAA////AP///wgAAAAAAAAAAAAAAAAAAAAAAAAAAAAAAAAAAAAAeAAAAAEAAABAAAAAAAAAAAAAAABaAAAAAAAAAAAAAAAAAAAAAAAAAAAAAAAAAAAAAAAAAAAAAAAAAAAAAAAAAAAAAAAAAAAAAAAAAAAAAAAAAAAAAAAAAAAAAAAAAAAAFAAAADwAAAAAAAAAAAAAAAAAAAAPAAAAAQAAACMAAAAjAAAAIwAAAB4AAAAAAAAAZAAAAGQAAAAAAAAAZAAAAGQAAAAVAAAAYAAAAAAAAAAAAAAADwAAACADAAAAAAAAAAAAAAEAAACgMgAAVgcAAKr4//8BAAAAf39/AAEAAABkAAAAAAAAABQAAABAHwAAAAAAACYAAAAAAAAAwOD//wAAAAAmAAAAZAAAABYAAABMAAAAAAAAAAAAAAAEAAAAAAAAAAEAAADu7OEKAAAAACgAAAAoAAAAZAAAAGQAAAAAAAAAzMzMAAAAAABQAAAAUAAAAGQAAABkAAAAAAAAABcAAAAUAAAAAAAAAAAAAAD/fwAA/38AAAAAAAAJAAAABAAAAEEAQQAMAAAAEAAAAAAAAAAAAAAAAAAAAAAAAAAeAAAAaAAAAAAAAAAAAAAAAAAAAAAAAAAAAAAAECcAABAnAAAAAAAAAAAAAAAAAAAAAAAAAAAAAAAAAAAAAAAAAAAAABQAAAAAAAAAwMD/AAAAAABkAAAAMgAAAAAAAABkAAAAAAAAAH9/fwAKAAAAHwAAAFQAAAD///8A////AQAAAAAAAAAAAAAAAAAAAAAAAAAAAAAAAAAAAAAAAAAAAAAAAH9/fwDu7OEDzMzMAMDA/wB/f38AAAAAAAAAAAAAAAAAAAAAAAAAAAAhAAAAGAAAABQAAADIBQAAwBIAAHpIAACQGwAAEAAAACYAAAAIAAAAAYAAAAAAAAA="/>
-              </a:ext>
-            </a:extLst>
-          </p:cNvSpPr>
-          <p:nvPr>
-            <p:ph type="body" idx="1"/>
-          </p:nvPr>
-        </p:nvSpPr>
-        <p:spPr>
-          <a:xfrm>
-            <a:off x="939800" y="3048000"/>
-            <a:ext cx="10841990" cy="1432560"/>
-          </a:xfrm>
-        </p:spPr>
-        <p:txBody>
-          <a:bodyPr/>
-          <a:lstStyle>
-            <a:lvl1pPr marL="0" indent="360680" defTabSz="360045">
-              <a:lnSpc>
-                <a:spcPct val="150000"/>
-              </a:lnSpc>
-              <a:spcAft>
-                <a:spcPts val="600"/>
-              </a:spcAft>
-              <a:buClr>
-                <a:schemeClr val="accent1"/>
-              </a:buClr>
-              <a:buSzPts val="2910"/>
-              <a:buFont typeface="Wingdings" pitchFamily="0" charset="0"/>
-              <a:buChar char="§"/>
-              <a:tabLst/>
-              <a:defRPr lang="de-de" sz="2800" b="0" i="0" baseline="0">
-                <a:solidFill>
-                  <a:srgbClr val="595959"/>
-                </a:solidFill>
-                <a:latin typeface="Calibri" pitchFamily="2" charset="0"/>
-                <a:ea typeface="Calibri" pitchFamily="2" charset="0"/>
-                <a:cs typeface="Calibri" pitchFamily="2" charset="0"/>
-              </a:defRPr>
-            </a:lvl1pPr>
-            <a:lvl2pPr marL="742950" indent="-285750">
-              <a:lnSpc>
-                <a:spcPct val="150000"/>
-              </a:lnSpc>
-              <a:buFont typeface="Arial" pitchFamily="2" charset="0"/>
-              <a:buChar char="•"/>
-              <a:defRPr lang="de-de" sz="2400" b="0" i="0" baseline="0">
-                <a:solidFill>
-                  <a:srgbClr val="595959"/>
-                </a:solidFill>
-                <a:latin typeface="Calibri" pitchFamily="2" charset="0"/>
-                <a:ea typeface="Calibri" pitchFamily="2" charset="0"/>
-                <a:cs typeface="Calibri" pitchFamily="2" charset="0"/>
-              </a:defRPr>
-            </a:lvl2pPr>
-            <a:lvl3pPr marL="1200150" indent="-285750">
-              <a:lnSpc>
-                <a:spcPct val="150000"/>
-              </a:lnSpc>
-              <a:buFont typeface="Wingdings" pitchFamily="0" charset="0"/>
-              <a:buChar char="§"/>
-              <a:defRPr lang="de-de" sz="2000" b="0" i="0" baseline="0">
-                <a:solidFill>
-                  <a:srgbClr val="595959"/>
-                </a:solidFill>
-                <a:latin typeface="Calibri" pitchFamily="2" charset="0"/>
-                <a:ea typeface="Calibri" pitchFamily="2" charset="0"/>
-                <a:cs typeface="Calibri" pitchFamily="2" charset="0"/>
-              </a:defRPr>
-            </a:lvl3pPr>
-            <a:lvl4pPr>
-              <a:defRPr lang="de-de"/>
-            </a:lvl4pPr>
-            <a:lvl5pPr>
-              <a:defRPr lang="de-de"/>
-            </a:lvl5pPr>
-            <a:lvl6pPr>
-              <a:defRPr lang="de-de"/>
-            </a:lvl6pPr>
-            <a:lvl7pPr>
-              <a:defRPr lang="de-de"/>
-            </a:lvl7pPr>
-            <a:lvl8pPr>
-              <a:defRPr lang="de-de"/>
-            </a:lvl8pPr>
-            <a:lvl9pPr>
-              <a:defRPr lang="de-de"/>
-            </a:lvl9pPr>
-          </a:lstStyle>
-          <a:p>
-            <a:pPr>
-              <a:defRPr lang="de-de"/>
-            </a:pPr>
-          </a:p>
-          <a:p>
-            <a:pPr>
-              <a:defRPr lang="de-de"/>
-            </a:pPr>
-            <a:endParaRPr lang="en-gb"/>
-          </a:p>
-        </p:txBody>
-      </p:sp>
-      <p:sp>
-        <p:nvSpPr>
-          <p:cNvPr id="4" name="Espace réservé de la date 4"/>
-          <p:cNvSpPr>
-            <a:spLocks noGrp="1" noChangeArrowheads="1"/>
-            <a:extLst>
-              <a:ext uri="smNativeData">
-                <pr:smNativeData xmlns:pr="smNativeData" val="SMDATA_13_eIVQYBMAAAAlAAAAZAAAAA0AAAAAAAAAAAAAAAAAAAAAAAAAAAAAAAAAAAAAAAAAAAEAAABQAAAAAAAAAAAA4D8AAAAAAADgPwAAAAAAAOA/AAAAAAAA4D8AAAAAAADgPwAAAAAAAOA/AAAAAAAA4D8AAAAAAADgPwAAAAAAAOA/AAAAAAAA4D8CAAAAjAAAAAAAAAAAAAAA////AP///wgAAAAAAAAAAAAAAAAAAAAAAAAAAAAAAAAAAAAAeAAAAAEAAABAAAAAAAAAAAAAAABaAAAAAAAAAAAAAAAAAAAAAAAAAAAAAAAAAAAAAAAAAAAAAAAAAAAAAAAAAAAAAAAAAAAAAAAAAAAAAAAAAAAAAAAAAAAAAAAAAAAAFAAAADwAAAAAAAAAAAAAAAAAAAAPAAAAAQAAACMAAAAjAAAAIwAAAB4AAAAAAAAAZAAAAGQAAAAAAAAAZAAAAGQAAAAVAAAAYAAAAAAAAAAAAAAADwAAACADAAAAAAAAAAAAAAEAAACgMgAAVgcAAKr4//8BAAAAf39/AAEAAABkAAAAAAAAABQAAABAHwAAAAAAACYAAAAAAAAAwOD//wAAAAAmAAAAZAAAABYAAABMAAAAAAAAAAAAAAAEAAAAAAAAAAEAAADu7OEKAAAAACgAAAAoAAAAZAAAAGQAAAAAAAAAzMzMAAAAAABQAAAAUAAAAGQAAABkAAAAAAAAABcAAAAUAAAAAAAAAAAAAAD/fwAA/38AAAAAAAAJAAAABAAAAAAAAAAMAAAAEAAAAAAAAAAAAAAAAAAAAAAAAAAeAAAAaAAAAAAAAAAAAAAAAAAAAAAAAAAAAAAAECcAABAnAAAAAAAAAAAAAAAAAAAAAAAAAAAAAAAAAAAAAAAAAAAAABQAAAAAAAAAwMD/AAAAAABkAAAAMgAAAAAAAABkAAAAAAAAAH9/fwAKAAAAHwAAAFQAAAD///8A////AQAAAAAAAAAAAAAAAAAAAAAAAAAAAAAAAAAAAAAAAAAAAAAAAH9/fwDu7OEDzMzMAMDA/wB/f38AAAAAAAAAAAAAAAAAAAAAAAAAAAAhAAAAGAAAABQAAADqAQAA4DgAAPAKAACYOgAAEAAAACYAAAAIAAAAAAAAAAAAAAA="/>
-              </a:ext>
-            </a:extLst>
-          </p:cNvSpPr>
-          <p:nvPr>
-            <p:ph type="dt" sz="half" idx="2"/>
-          </p:nvPr>
-        </p:nvSpPr>
-        <p:spPr/>
-        <p:txBody>
-          <a:bodyPr/>
-          <a:lstStyle/>
-          <a:p>
-            <a:pPr>
-              <a:defRPr lang="de-de"/>
-            </a:pPr>
-            <a:r>
-              <a:t>26.03.2021</a:t>
-            </a:r>
-          </a:p>
-        </p:txBody>
-      </p:sp>
-      <p:sp>
-        <p:nvSpPr>
-          <p:cNvPr id="5" name="Espace réservé du numéro de diapositive 5"/>
-          <p:cNvSpPr>
-            <a:spLocks noGrp="1" noChangeArrowheads="1"/>
-            <a:extLst>
-              <a:ext uri="smNativeData">
-                <pr:smNativeData xmlns:pr="smNativeData" val="SMDATA_13_eIVQYBMAAAAlAAAAZAAAAA0AAAAAAAAAAAAAAAAAAAAAAAAAAAAAAAAAAAAAAAAAAAEAAABQAAAAAAAAAAAA4D8AAAAAAADgPwAAAAAAAOA/AAAAAAAA4D8AAAAAAADgPwAAAAAAAOA/AAAAAAAA4D8AAAAAAADgPwAAAAAAAOA/AAAAAAAA4D8CAAAAjAAAAAAAAAAAAAAA////AP///wgAAAAAAAAAAAAAAAAAAAAAAAAAAAAAAAAAAAAAeAAAAAEAAABAAAAAAAAAAAAAAABaAAAAAAAAAAAAAAAAAAAAAAAAAAAAAAAAAAAAAAAAAAAAAAAAAAAAAAAAAAAAAAAAAAAAAAAAAAAAAAAAAAAAAAAAAAAAAAAAAAAAFAAAADwAAAAAAAAAAAAAAAAAAAAPAAAAAQAAACMAAAAjAAAAIwAAAB4AAAAAAAAAZAAAAGQAAAAAAAAAZAAAAGQAAAAVAAAAYAAAAAAAAAAAAAAADwAAACADAAAAAAAAAAAAAAEAAACgMgAAVgcAAKr4//8BAAAAf39/AAEAAABkAAAAAAAAABQAAABAHwAAAAAAACYAAAAAAAAAwOD//wAAAAAmAAAAZAAAABYAAABMAAAAAAAAAAAAAAAEAAAAAAAAAAEAAADu7OEKAAAAACgAAAAoAAAAZAAAAGQAAAAAAAAAzMzMAAAAAABQAAAAUAAAAGQAAABkAAAAAAAAABcAAAAUAAAAAAAAAAAAAAD/fwAA/38AAAAAAAAJAAAABAAAAAAAAAAMAAAAEAAAAAAAAAAAAAAAAAAAAAAAAAAeAAAAaAAAAAAAAAAAAAAAAAAAAAAAAAAAAAAAECcAABAnAAAAAAAAAAAAAAAAAAAAAAAAAAAAAAAAAAAAAAAAAAAAABQAAAAAAAAAwMD/AAAAAABkAAAAMgAAAAAAAABkAAAAAAAAAH9/fwAKAAAAHwAAAFQAAAD///8A////AQAAAAAAAAAAAAAAAAAAAAAAAAAAAAAAAAAAAAAAAAAAAAAAAH9/fwDu7OEDzMzMAMDA/wB/f38AAAAAAAAAAAAAAAAAAAAAAAAAAAAhAAAAGAAAABQAAADQSAAAGDkAABZOAACYOgAAEAAAACYAAAAIAAAAAAAAAAAAAAA="/>
-              </a:ext>
-            </a:extLst>
-          </p:cNvSpPr>
-          <p:nvPr>
-            <p:ph type="sldNum" sz="quarter" idx="4"/>
-          </p:nvPr>
-        </p:nvSpPr>
-        <p:spPr/>
-        <p:txBody>
-          <a:bodyPr/>
-          <a:lstStyle/>
-          <a:p>
-            <a:pPr>
-              <a:defRPr lang="de-de"/>
-            </a:pPr>
-            <a:fld id="{2C0B76C9-87C1-5E80-8FB3-71D538FD7924}" type="slidenum">
-              <a:t>9</a:t>
-            </a:fld>
-          </a:p>
-        </p:txBody>
-      </p:sp>
-      <p:pic>
-        <p:nvPicPr>
-          <p:cNvPr id="6" name="Picture 8"/>
-          <p:cNvPicPr>
-            <a:picLocks noChangeAspect="1"/>
-            <a:extLst>
-              <a:ext uri="smNativeData">
-                <pr:smNativeData xmlns:pr="smNativeData" val="SMDATA_15_eIVQYBMAAAAlAAAAEQAAAC0AAAAAkAAAAEgAAACQAAAASAAAAAAAAAAAAAAAAAAAAAEAAABQAAAAAAAAAAAA4D8AAAAAAADgPwAAAAAAAOA/AAAAAAAA4D8AAAAAAADgPwAAAAAAAOA/AAAAAAAA4D8AAAAAAADgPwAAAAAAAOA/AAAAAAAA4D8CAAAAjAAAAAAAAAAAAAAAT4G9DP///wgAAAAAAAAAAAAAAAAAAAAAAAAAAAAAAAAAAAAAZAAAAAEAAABAAAAAAAAAAAAAAAAAAAAAAAAAAAAAAAAAAAAAAAAAAAAAAAAAAAAAAAAAAAAAAAAAAAAAAAAAAAAAAAAAAAAAAAAAAAAAAAAAAAAAAAAAAAAAAAAAAAAAFAAAADwAAAAAAAAAAAAAAAAAAAkUAAAAAQAAABQAAAAUAAAAFAAAAAEAAAAAAAAAZAAAAGQAAAAAAAAAZAAAAGQAAAAVAAAAYAAAAAAAAAAAAAAADwAAACADAAAAAAAAAAAAAAEAAACgMgAAVgcAAKr4//8BAAAAf39/AAEAAABkAAAAAAAAABQAAABAHwAAAAAAACYAAAAAAAAAwOD//wAAAAAmAAAAZAAAABYAAABMAAAAAAAAAAAAAAAEAAAAAAAAAAEAAADu7OEKAAAAACgAAAAoAAAAZAAAAGQAAAAAAAAAzMzMAAAAAABQAAAAUAAAAGQAAABkAAAAAAAAAAcAAAA4AAAAAAAAAAAAAAAAAAAA////AAAAAAAAAAAAAAAAAAAAAAAAAAAAAAAAAAAAAABkAAAAZAAAAAAAAAAjAAAABAAAAGQAAAAXAAAAFAAAAAAAAAAAAAAA/38AAP9/AAAAAAAACQAAAAQAAAAAAAAADAAAABAAAAAAAAAAAAAAAAAAAAAAAAAAHgAAAGgAAAAAAAAAAAAAAAAAAAAAAAAAAAAAABAnAAAQJwAAAAAAAAAAAAAAAAAAAAAAAAAAAAAAAAAAAAAAAAAAAAAUAAAAAAAAAMDA/wAAAAAAZAAAADIAAAAAAAAAZAAAAAAAAAB/f38ACgAAAB8AAABUAAAAT4G9Bf///wEAAAAAAAAAAAAAAAAAAAAAAAAAAAAAAAAAAAAAAAAAAAAAAAJ/f38A7uzhA8zMzADAwP8Af39/AAAAAAAAAAAAAAAAAP///wAAAAAAIQAAABgAAAAUAAAAGAIAAKQRAAAUTQAA3jQAABAAAAAmAAAACAAAAP//////////"/>
-              </a:ext>
-            </a:extLst>
-          </p:cNvPicPr>
-          <p:nvPr/>
-        </p:nvPicPr>
-        <p:blipFill>
-          <a:blip r:embed="rId2"/>
-          <a:stretch>
-            <a:fillRect/>
-          </a:stretch>
-        </p:blipFill>
-        <p:spPr>
-          <a:xfrm>
-            <a:off x="340360" y="2867660"/>
-            <a:ext cx="12189460" cy="5726430"/>
-          </a:xfrm>
-          <a:prstGeom prst="rect">
-            <a:avLst/>
-          </a:prstGeom>
-          <a:noFill/>
-          <a:ln>
-            <a:noFill/>
-          </a:ln>
-          <a:effectLst/>
-        </p:spPr>
-      </p:pic>
-    </p:spTree>
-  </p:cSld>
-  <p:clrMapOvr>
-    <a:masterClrMapping/>
-  </p:clrMapOvr>
-  <p:timing>
-    <p:tnLst>
-      <p:par>
-        <p:cTn id="1" dur="indefinite" restart="never" nodeType="tmRoot"/>
-      </p:par>
-    </p:tnLst>
-  </p:timing>
 </p:sld>
 </file>
 

--- a/Presentation/Presentation.pptx
+++ b/Presentation/Presentation.pptx
@@ -5,10 +5,10 @@
     <p:sldMasterId id="2147483648" r:id="rId1"/>
   </p:sldMasterIdLst>
   <p:notesMasterIdLst>
-    <p:notesMasterId r:id="rId19"/>
+    <p:notesMasterId r:id="rId20"/>
   </p:notesMasterIdLst>
   <p:handoutMasterIdLst>
-    <p:handoutMasterId r:id="rId20"/>
+    <p:handoutMasterId r:id="rId21"/>
   </p:handoutMasterIdLst>
   <p:sldIdLst>
     <p:sldId id="276" r:id="rId2"/>
@@ -24,10 +24,11 @@
     <p:sldId id="296" r:id="rId12"/>
     <p:sldId id="295" r:id="rId13"/>
     <p:sldId id="289" r:id="rId14"/>
-    <p:sldId id="290" r:id="rId15"/>
-    <p:sldId id="284" r:id="rId16"/>
-    <p:sldId id="287" r:id="rId17"/>
-    <p:sldId id="288" r:id="rId18"/>
+    <p:sldId id="306" r:id="rId15"/>
+    <p:sldId id="290" r:id="rId16"/>
+    <p:sldId id="284" r:id="rId17"/>
+    <p:sldId id="287" r:id="rId18"/>
+    <p:sldId id="288" r:id="rId19"/>
   </p:sldIdLst>
   <p:sldSz cx="13004800" cy="9753600"/>
   <p:notesSz cx="13004800" cy="9753600"/>
@@ -285,7 +286,7 @@
             <a:spLocks noGrp="1" noChangeArrowheads="1"/>
             <a:extLst>
               <a:ext uri="smNativeData">
-                <pr:smNativeData xmlns:pr="smNativeData" xmlns:p14="http://schemas.microsoft.com/office/powerpoint/2010/main" xmlns="" val="SMDATA_13_eIVQYBMAAAAlAAAAZAAAAA0AAAAAkAAAAEgAAACQAAAASAAAAAAAAAAAAAAAAAAAAAEAAABQAAAAAAAAAAAA4D8AAAAAAADgPwAAAAAAAOA/AAAAAAAA4D8AAAAAAADgPwAAAAAAAOA/AAAAAAAA4D8AAAAAAADgPwAAAAAAAOA/AAAAAAAA4D8CAAAAjAAAAAAAAAAAAAAA////AP///wgAAAAAAAAAAAAAAAAAAAAAAAAAAAAAAAAAAAAAeAAAAAEAAABAAAAAAAAAAAAAAABaAAAAAAAAAAAAAAAAAAAAAAAAAAAAAAAAAAAAAAAAAAAAAAAAAAAAAAAAAAAAAAAAAAAAAAAAAAAAAAAAAAAAAAAAAAAAAAAAAAAAFAAAADwAAAAAAAAAAAAAAAAAAAAPAAAAAQAAACMAAAAjAAAAIwAAAB4AAAAAAAAAZAAAAGQAAAAAAAAAZAAAAGQAAAAVAAAAYAAAAAAAAAAAAAAADwAAACADAAAAAAAAAAAAAAEAAACgMgAAVgcAAKr4//8BAAAAf39/AAEAAABkAAAAAAAAABQAAABAHwAAAAAAACYAAAAAAAAAwOD//wAAAAAmAAAAZAAAABYAAABMAAAAAAAAAAAAAAAEAAAAAAAAAAEAAADu7OEKAAAAACgAAAAoAAAAZAAAAGQAAAAAAAAAzMzMAAAAAABQAAAAUAAAAGQAAABkAAAAAAAAABcAAAAUAAAAAAAAAAAAAAD/fwAA/38AAAAAAAAJAAAABAAAAEEAQQAMAAAAEAAAAAAAAAAAAAAAAAAAAAAAAAAeAAAAaAAAAAAAAAAAAAAAAAAAAAAAAAAAAAAAECcAABAnAAAAAAAAAAAAAAAAAAAAAAAAAAAAAAAAAAAAAAAAAAAAABQAAAAAAAAAwMD/AAAAAABkAAAAMgAAAAAAAABkAAAAAAAAAH9/fwAKAAAAHwAAAFQAAAD///8AAAAAAQAAAAAAAAAAAAAAAAAAAAAAAAAAAAAAAAAAAAAAAAAAAAAAAH9/fwAAAAADzMzMAMDA/wB/f38AAAAAAAAAAAAAAAAAAAAAAAAAAAAhAAAAGAAAABQAAAAAAAAAAAAAAKsiAAAAAwAAEAAAACYAAAAIAAAAv58AAAAAAAA="/>
+                <pr:smNativeData xmlns="" xmlns:p14="http://schemas.microsoft.com/office/powerpoint/2010/main" xmlns:pr="smNativeData" val="SMDATA_13_eIVQYBMAAAAlAAAAZAAAAA0AAAAAkAAAAEgAAACQAAAASAAAAAAAAAAAAAAAAAAAAAEAAABQAAAAAAAAAAAA4D8AAAAAAADgPwAAAAAAAOA/AAAAAAAA4D8AAAAAAADgPwAAAAAAAOA/AAAAAAAA4D8AAAAAAADgPwAAAAAAAOA/AAAAAAAA4D8CAAAAjAAAAAAAAAAAAAAA////AP///wgAAAAAAAAAAAAAAAAAAAAAAAAAAAAAAAAAAAAAeAAAAAEAAABAAAAAAAAAAAAAAABaAAAAAAAAAAAAAAAAAAAAAAAAAAAAAAAAAAAAAAAAAAAAAAAAAAAAAAAAAAAAAAAAAAAAAAAAAAAAAAAAAAAAAAAAAAAAAAAAAAAAFAAAADwAAAAAAAAAAAAAAAAAAAAPAAAAAQAAACMAAAAjAAAAIwAAAB4AAAAAAAAAZAAAAGQAAAAAAAAAZAAAAGQAAAAVAAAAYAAAAAAAAAAAAAAADwAAACADAAAAAAAAAAAAAAEAAACgMgAAVgcAAKr4//8BAAAAf39/AAEAAABkAAAAAAAAABQAAABAHwAAAAAAACYAAAAAAAAAwOD//wAAAAAmAAAAZAAAABYAAABMAAAAAAAAAAAAAAAEAAAAAAAAAAEAAADu7OEKAAAAACgAAAAoAAAAZAAAAGQAAAAAAAAAzMzMAAAAAABQAAAAUAAAAGQAAABkAAAAAAAAABcAAAAUAAAAAAAAAAAAAAD/fwAA/38AAAAAAAAJAAAABAAAAEEAQQAMAAAAEAAAAAAAAAAAAAAAAAAAAAAAAAAeAAAAaAAAAAAAAAAAAAAAAAAAAAAAAAAAAAAAECcAABAnAAAAAAAAAAAAAAAAAAAAAAAAAAAAAAAAAAAAAAAAAAAAABQAAAAAAAAAwMD/AAAAAABkAAAAMgAAAAAAAABkAAAAAAAAAH9/fwAKAAAAHwAAAFQAAAD///8AAAAAAQAAAAAAAAAAAAAAAAAAAAAAAAAAAAAAAAAAAAAAAAAAAAAAAH9/fwAAAAADzMzMAMDA/wB/f38AAAAAAAAAAAAAAAAAAAAAAAAAAAAhAAAAGAAAABQAAAAAAAAAAAAAAKsiAAAAAwAAEAAAACYAAAAIAAAAv58AAAAAAAA="/>
               </a:ext>
             </a:extLst>
           </p:cNvSpPr>
@@ -352,7 +353,7 @@
             <a:spLocks noGrp="1" noChangeArrowheads="1"/>
             <a:extLst>
               <a:ext uri="smNativeData">
-                <pr:smNativeData xmlns:pr="smNativeData" xmlns:p14="http://schemas.microsoft.com/office/powerpoint/2010/main" xmlns="" val="SMDATA_13_eIVQYBMAAAAlAAAAZAAAAA0AAAAAkAAAAEgAAACQAAAASAAAAAAAAAAAAAAAAAAAAAEAAABQAAAAAAAAAAAA4D8AAAAAAADgPwAAAAAAAOA/AAAAAAAA4D8AAAAAAADgPwAAAAAAAOA/AAAAAAAA4D8AAAAAAADgPwAAAAAAAOA/AAAAAAAA4D8CAAAAjAAAAAAAAAAAAAAA////AP///wgAAAAAAAAAAAAAAAAAAAAAAAAAAAAAAAAAAAAAeAAAAAEAAABAAAAAAAAAAAAAAABaAAAAAAAAAAAAAAAAAAAAAAAAAAAAAAAAAAAAAAAAAAAAAAAAAAAAAAAAAAAAAAAAAAAAAAAAAAAAAAAAAAAAAAAAAAAAAAAAAAAAFAAAADwAAAAAAAAAAAAAAAAAAAAPAAAAAQAAACMAAAAjAAAAIwAAAB4AAAAAAAAAZAAAAGQAAAAAAAAAZAAAAGQAAAAVAAAAYAAAAAAAAAAAAAAADwAAACADAAAAAAAAAAAAAAEAAACgMgAAVgcAAKr4//8BAAAAf39/AAEAAABkAAAAAAAAABQAAABAHwAAAAAAACYAAAAAAAAAwOD//wAAAAAmAAAAZAAAABYAAABMAAAAAAAAAAAAAAAEAAAAAAAAAAEAAADu7OEKAAAAACgAAAAoAAAAZAAAAGQAAAAAAAAAzMzMAAAAAABQAAAAUAAAAGQAAABkAAAAAAAAABcAAAAUAAAAAAAAAAAAAAD/fwAA/38AAAAAAAAJAAAABAAAAEEAQQAMAAAAEAAAAAAAAAAAAAAAAAAAAAAAAAAeAAAAaAAAAAAAAAAAAAAAAAAAAAAAAAAAAAAAECcAABAnAAAAAAAAAAAAAAAAAAAAAAAAAAAAAAAAAAAAAAAAAAAAABQAAAAAAAAAwMD/AAAAAABkAAAAMgAAAAAAAABkAAAAAAAAAH9/fwAKAAAAHwAAAFQAAAD///8AAAAAAQAAAAAAAAAAAAAAAAAAAAAAAAAAAAAAAAAAAAAAAAAAAAAAAH9/fwAAAAADzMzMAMDA/wB/f38AAAAAAAAAAAAAAAAAAAAAAAAAAAAhAAAAGAAAABQAAABQLQAAAAAAAPtPAAAAAwAAEAAAACYAAAAIAAAAv58AAAAAAAA="/>
+                <pr:smNativeData xmlns="" xmlns:p14="http://schemas.microsoft.com/office/powerpoint/2010/main" xmlns:pr="smNativeData" val="SMDATA_13_eIVQYBMAAAAlAAAAZAAAAA0AAAAAkAAAAEgAAACQAAAASAAAAAAAAAAAAAAAAAAAAAEAAABQAAAAAAAAAAAA4D8AAAAAAADgPwAAAAAAAOA/AAAAAAAA4D8AAAAAAADgPwAAAAAAAOA/AAAAAAAA4D8AAAAAAADgPwAAAAAAAOA/AAAAAAAA4D8CAAAAjAAAAAAAAAAAAAAA////AP///wgAAAAAAAAAAAAAAAAAAAAAAAAAAAAAAAAAAAAAeAAAAAEAAABAAAAAAAAAAAAAAABaAAAAAAAAAAAAAAAAAAAAAAAAAAAAAAAAAAAAAAAAAAAAAAAAAAAAAAAAAAAAAAAAAAAAAAAAAAAAAAAAAAAAAAAAAAAAAAAAAAAAFAAAADwAAAAAAAAAAAAAAAAAAAAPAAAAAQAAACMAAAAjAAAAIwAAAB4AAAAAAAAAZAAAAGQAAAAAAAAAZAAAAGQAAAAVAAAAYAAAAAAAAAAAAAAADwAAACADAAAAAAAAAAAAAAEAAACgMgAAVgcAAKr4//8BAAAAf39/AAEAAABkAAAAAAAAABQAAABAHwAAAAAAACYAAAAAAAAAwOD//wAAAAAmAAAAZAAAABYAAABMAAAAAAAAAAAAAAAEAAAAAAAAAAEAAADu7OEKAAAAACgAAAAoAAAAZAAAAGQAAAAAAAAAzMzMAAAAAABQAAAAUAAAAGQAAABkAAAAAAAAABcAAAAUAAAAAAAAAAAAAAD/fwAA/38AAAAAAAAJAAAABAAAAEEAQQAMAAAAEAAAAAAAAAAAAAAAAAAAAAAAAAAeAAAAaAAAAAAAAAAAAAAAAAAAAAAAAAAAAAAAECcAABAnAAAAAAAAAAAAAAAAAAAAAAAAAAAAAAAAAAAAAAAAAAAAABQAAAAAAAAAwMD/AAAAAABkAAAAMgAAAAAAAABkAAAAAAAAAH9/fwAKAAAAHwAAAFQAAAD///8AAAAAAQAAAAAAAAAAAAAAAAAAAAAAAAAAAAAAAAAAAAAAAAAAAAAAAH9/fwAAAAADzMzMAMDA/wB/f38AAAAAAAAAAAAAAAAAAAAAAAAAAAAhAAAAGAAAABQAAABQLQAAAAAAAPtPAAAAAwAAEAAAACYAAAAIAAAAv58AAAAAAAA="/>
               </a:ext>
             </a:extLst>
           </p:cNvSpPr>
@@ -409,7 +410,7 @@
               <a:defRPr lang="de-de"/>
             </a:pPr>
             <a:fld id="{7A685D26-6897-3DAB-D9D0-9EFE139E2FCB}" type="datetime1">
-              <a:t>3/24/2021</a:t>
+              <a:t>3/25/2021</a:t>
             </a:fld>
             <a:endParaRPr/>
           </a:p>
@@ -422,7 +423,7 @@
             <a:spLocks noGrp="1" noChangeArrowheads="1"/>
             <a:extLst>
               <a:ext uri="smNativeData">
-                <pr:smNativeData xmlns:pr="smNativeData" xmlns:p14="http://schemas.microsoft.com/office/powerpoint/2010/main" xmlns="" val="SMDATA_13_eIVQYBMAAAAlAAAAZAAAAA0AAAAAkAAAAEgAAACQAAAASAAAAAAAAAACAAAAAAAAAAEAAABQAAAAAAAAAAAA4D8AAAAAAADgPwAAAAAAAOA/AAAAAAAA4D8AAAAAAADgPwAAAAAAAOA/AAAAAAAA4D8AAAAAAADgPwAAAAAAAOA/AAAAAAAA4D8CAAAAjAAAAAAAAAAAAAAA////AP///wgAAAAAAAAAAAAAAAAAAAAAAAAAAAAAAAAAAAAAeAAAAAEAAABAAAAAAAAAAAAAAABaAAAAAAAAAAAAAAAAAAAAAAAAAAAAAAAAAAAAAAAAAAAAAAAAAAAAAAAAAAAAAAAAAAAAAAAAAAAAAAAAAAAAAAAAAAAAAAAAAAAAFAAAADwAAAAAAAAAAAAAAAAAAAAPAAAAAQAAACMAAAAjAAAAIwAAAB4AAAAAAAAAZAAAAGQAAAAAAAAAZAAAAGQAAAAVAAAAYAAAAAAAAAAAAAAADwAAACADAAAAAAAAAAAAAAEAAACgMgAAVgcAAKr4//8BAAAAf39/AAEAAABkAAAAAAAAABQAAABAHwAAAAAAACYAAAAAAAAAwOD//wAAAAAmAAAAZAAAABYAAABMAAAAAAAAAAAAAAAEAAAAAAAAAAEAAADu7OEKAAAAACgAAAAoAAAAZAAAAGQAAAAAAAAAzMzMAAAAAABQAAAAUAAAAGQAAABkAAAAAAAAABcAAAAUAAAAAAAAAAAAAAD/fwAA/38AAAAAAAAJAAAABAAAADgAQwAMAAAAEAAAAAAAAAAAAAAAAAAAAAAAAAAeAAAAaAAAAAAAAAAAAAAAAAAAAAAAAAAAAAAAECcAABAnAAAAAAAAAAAAAAAAAAAAAAAAAAAAAAAAAAAAAAAAAAAAABQAAAAAAAAAwMD/AAAAAABkAAAAMgAAAAAAAABkAAAAAAAAAH9/fwAKAAAAHwAAAFQAAAD///8AAAAAAQAAAAAAAAAAAAAAAAAAAAAAAAAAAAAAAAAAAAAAAAAAAAAAAH9/fwAAAAADzMzMAMDA/wB/f38AAAAAAAAAAAAAAAAAAAAAAAAAAAAhAAAAGAAAABQAAAAAAAAA/jgAAKsiAAD+OwAAEAAAACYAAAAIAAAAv58AAAAAAAA="/>
+                <pr:smNativeData xmlns="" xmlns:p14="http://schemas.microsoft.com/office/powerpoint/2010/main" xmlns:pr="smNativeData" val="SMDATA_13_eIVQYBMAAAAlAAAAZAAAAA0AAAAAkAAAAEgAAACQAAAASAAAAAAAAAACAAAAAAAAAAEAAABQAAAAAAAAAAAA4D8AAAAAAADgPwAAAAAAAOA/AAAAAAAA4D8AAAAAAADgPwAAAAAAAOA/AAAAAAAA4D8AAAAAAADgPwAAAAAAAOA/AAAAAAAA4D8CAAAAjAAAAAAAAAAAAAAA////AP///wgAAAAAAAAAAAAAAAAAAAAAAAAAAAAAAAAAAAAAeAAAAAEAAABAAAAAAAAAAAAAAABaAAAAAAAAAAAAAAAAAAAAAAAAAAAAAAAAAAAAAAAAAAAAAAAAAAAAAAAAAAAAAAAAAAAAAAAAAAAAAAAAAAAAAAAAAAAAAAAAAAAAFAAAADwAAAAAAAAAAAAAAAAAAAAPAAAAAQAAACMAAAAjAAAAIwAAAB4AAAAAAAAAZAAAAGQAAAAAAAAAZAAAAGQAAAAVAAAAYAAAAAAAAAAAAAAADwAAACADAAAAAAAAAAAAAAEAAACgMgAAVgcAAKr4//8BAAAAf39/AAEAAABkAAAAAAAAABQAAABAHwAAAAAAACYAAAAAAAAAwOD//wAAAAAmAAAAZAAAABYAAABMAAAAAAAAAAAAAAAEAAAAAAAAAAEAAADu7OEKAAAAACgAAAAoAAAAZAAAAGQAAAAAAAAAzMzMAAAAAABQAAAAUAAAAGQAAABkAAAAAAAAABcAAAAUAAAAAAAAAAAAAAD/fwAA/38AAAAAAAAJAAAABAAAADgAQwAMAAAAEAAAAAAAAAAAAAAAAAAAAAAAAAAeAAAAaAAAAAAAAAAAAAAAAAAAAAAAAAAAAAAAECcAABAnAAAAAAAAAAAAAAAAAAAAAAAAAAAAAAAAAAAAAAAAAAAAABQAAAAAAAAAwMD/AAAAAABkAAAAMgAAAAAAAABkAAAAAAAAAH9/fwAKAAAAHwAAAFQAAAD///8AAAAAAQAAAAAAAAAAAAAAAAAAAAAAAAAAAAAAAAAAAAAAAAAAAAAAAH9/fwAAAAADzMzMAMDA/wB/f38AAAAAAAAAAAAAAAAAAAAAAAAAAAAhAAAAGAAAABQAAAAAAAAA/jgAAKsiAAD+OwAAEAAAACYAAAAIAAAAv58AAAAAAAA="/>
               </a:ext>
             </a:extLst>
           </p:cNvSpPr>
@@ -489,7 +490,7 @@
             <a:spLocks noGrp="1" noChangeArrowheads="1"/>
             <a:extLst>
               <a:ext uri="smNativeData">
-                <pr:smNativeData xmlns:pr="smNativeData" xmlns:p14="http://schemas.microsoft.com/office/powerpoint/2010/main" xmlns="" val="SMDATA_13_eIVQYBMAAAAlAAAAZAAAAA0AAAAAkAAAAEgAAACQAAAASAAAAAAAAAACAAAAAAAAAAEAAABQAAAAAAAAAAAA4D8AAAAAAADgPwAAAAAAAOA/AAAAAAAA4D8AAAAAAADgPwAAAAAAAOA/AAAAAAAA4D8AAAAAAADgPwAAAAAAAOA/AAAAAAAA4D8CAAAAjAAAAAAAAAAAAAAA////AP///wgAAAAAAAAAAAAAAAAAAAAAAAAAAAAAAAAAAAAAeAAAAAEAAABAAAAAAAAAAAAAAABaAAAAAAAAAAAAAAAAAAAAAAAAAAAAAAAAAAAAAAAAAAAAAAAAAAAAAAAAAAAAAAAAAAAAAAAAAAAAAAAAAAAAAAAAAAAAAAAAAAAAFAAAADwAAAAAAAAAAAAAAAAAAAAPAAAAAQAAACMAAAAjAAAAIwAAAB4AAAAAAAAAZAAAAGQAAAAAAAAAZAAAAGQAAAAVAAAAYAAAAAAAAAAAAAAADwAAACADAAAAAAAAAAAAAAEAAACgMgAAVgcAAKr4//8BAAAAf39/AAEAAABkAAAAAAAAABQAAABAHwAAAAAAACYAAAAAAAAAwOD//wAAAAAmAAAAZAAAABYAAABMAAAAAAAAAAAAAAAEAAAAAAAAAAEAAADu7OEKAAAAACgAAAAoAAAAZAAAAGQAAAAAAAAAzMzMAAAAAABQAAAAUAAAAGQAAABkAAAAAAAAABcAAAAUAAAAAAAAAAAAAAD/fwAA/38AAAAAAAAJAAAABAAAAEEAQQAMAAAAEAAAAAAAAAAAAAAAAAAAAAAAAAAeAAAAaAAAAAAAAAAAAAAAAAAAAAAAAAAAAAAAECcAABAnAAAAAAAAAAAAAAAAAAAAAAAAAAAAAAAAAAAAAAAAAAAAABQAAAAAAAAAwMD/AAAAAABkAAAAMgAAAAAAAABkAAAAAAAAAH9/fwAKAAAAHwAAAFQAAAD///8AAAAAAQAAAAAAAAAAAAAAAAAAAAAAAAAAAAAAAAAAAAAAAAAAAAAAAH9/fwAAAAADzMzMAMDA/wB/f38AAAAAAAAAAAAAAAAAAAAAAAAAAAAhAAAAGAAAABQAAABQLQAA/jgAAPtPAAD+OwAAEAAAACYAAAAIAAAAv58AAAAAAAA="/>
+                <pr:smNativeData xmlns="" xmlns:p14="http://schemas.microsoft.com/office/powerpoint/2010/main" xmlns:pr="smNativeData" val="SMDATA_13_eIVQYBMAAAAlAAAAZAAAAA0AAAAAkAAAAEgAAACQAAAASAAAAAAAAAACAAAAAAAAAAEAAABQAAAAAAAAAAAA4D8AAAAAAADgPwAAAAAAAOA/AAAAAAAA4D8AAAAAAADgPwAAAAAAAOA/AAAAAAAA4D8AAAAAAADgPwAAAAAAAOA/AAAAAAAA4D8CAAAAjAAAAAAAAAAAAAAA////AP///wgAAAAAAAAAAAAAAAAAAAAAAAAAAAAAAAAAAAAAeAAAAAEAAABAAAAAAAAAAAAAAABaAAAAAAAAAAAAAAAAAAAAAAAAAAAAAAAAAAAAAAAAAAAAAAAAAAAAAAAAAAAAAAAAAAAAAAAAAAAAAAAAAAAAAAAAAAAAAAAAAAAAFAAAADwAAAAAAAAAAAAAAAAAAAAPAAAAAQAAACMAAAAjAAAAIwAAAB4AAAAAAAAAZAAAAGQAAAAAAAAAZAAAAGQAAAAVAAAAYAAAAAAAAAAAAAAADwAAACADAAAAAAAAAAAAAAEAAACgMgAAVgcAAKr4//8BAAAAf39/AAEAAABkAAAAAAAAABQAAABAHwAAAAAAACYAAAAAAAAAwOD//wAAAAAmAAAAZAAAABYAAABMAAAAAAAAAAAAAAAEAAAAAAAAAAEAAADu7OEKAAAAACgAAAAoAAAAZAAAAGQAAAAAAAAAzMzMAAAAAABQAAAAUAAAAGQAAABkAAAAAAAAABcAAAAUAAAAAAAAAAAAAAD/fwAA/38AAAAAAAAJAAAABAAAAEEAQQAMAAAAEAAAAAAAAAAAAAAAAAAAAAAAAAAeAAAAaAAAAAAAAAAAAAAAAAAAAAAAAAAAAAAAECcAABAnAAAAAAAAAAAAAAAAAAAAAAAAAAAAAAAAAAAAAAAAAAAAABQAAAAAAAAAwMD/AAAAAABkAAAAMgAAAAAAAABkAAAAAAAAAH9/fwAKAAAAHwAAAFQAAAD///8AAAAAAQAAAAAAAAAAAAAAAAAAAAAAAAAAAAAAAAAAAAAAAAAAAAAAAH9/fwAAAAADzMzMAMDA/wB/f38AAAAAAAAAAAAAAAAAAAAAAAAAAAAhAAAAGAAAABQAAABQLQAA/jgAAPtPAAD+OwAAEAAAACYAAAAIAAAAv58AAAAAAAA="/>
               </a:ext>
             </a:extLst>
           </p:cNvSpPr>
@@ -596,7 +597,7 @@
             <a:spLocks noGrp="1" noChangeArrowheads="1"/>
             <a:extLst>
               <a:ext uri="smNativeData">
-                <pr:smNativeData xmlns:pr="smNativeData" xmlns:p14="http://schemas.microsoft.com/office/powerpoint/2010/main" xmlns="" val="SMDATA_13_eIVQYBMAAAAlAAAAZAAAAA0AAAAAkAAAAEgAAACQAAAASAAAAAAAAAAAAAAAAAAAAAEAAABQAAAAAAAAAAAA4D8AAAAAAADgPwAAAAAAAOA/AAAAAAAA4D8AAAAAAADgPwAAAAAAAOA/AAAAAAAA4D8AAAAAAADgPwAAAAAAAOA/AAAAAAAA4D8CAAAAjAAAAAAAAAAAAAAA////AP///wgAAAAAAAAAAAAAAAAAAAAAAAAAAAAAAAAAAAAAeAAAAAEAAABAAAAAAAAAAAAAAABaAAAAAAAAAAAAAAAAAAAAAAAAAAAAAAAAAAAAAAAAAAAAAAAAAAAAAAAAAAAAAAAAAAAAAAAAAAAAAAAAAAAAAAAAAAAAAAAAAAAAFAAAADwAAAAAAAAAAAAAAAAAAAAPAAAAAQAAACMAAAAjAAAAIwAAAB4AAAAAAAAAZAAAAGQAAAAAAAAAZAAAAGQAAAAVAAAAYAAAAAAAAAAAAAAADwAAACADAAAAAAAAAAAAAAEAAACgMgAAVgcAAKr4//8BAAAAf39/AAEAAABkAAAAAAAAABQAAABAHwAAAAAAACYAAAAAAAAAwOD//wAAAAAmAAAAZAAAABYAAABMAAAAAAAAAAAAAAAEAAAAAAAAAAEAAADu7OEKAAAAACgAAAAoAAAAZAAAAGQAAAAAAAAAzMzMAAAAAABQAAAAUAAAAGQAAABkAAAAAAAAABcAAAAUAAAAAAAAAAAAAAD/fwAA/38AAAAAAAAJAAAABAAAAAAAAAAMAAAAEAAAAAAAAAAAAAAAAAAAAAAAAAAeAAAAaAAAAAAAAAAAAAAAAAAAAAAAAAAAAAAAECcAABAnAAAAAAAAAAAAAAAAAAAAAAAAAAAAAAAAAAAAAAAAAAAAABQAAAAAAAAAwMD/AAAAAABkAAAAMgAAAAAAAABkAAAAAAAAAH9/fwAKAAAAHwAAAFQAAAD///8AAAAAAQAAAAAAAAAAAAAAAAAAAAAAAAAAAAAAAAAAAAAAAAAAAAAAAH9/fwAAAAADzMzMAMDA/wB/f38AAAAAAAAAAAAAAAAAAAAAAAAAAAAhAAAAGAAAABQAAAAAAAAAAAAAAKsiAAAAAwAAEAAAACYAAAAIAAAAv58AAAAAAAA="/>
+                <pr:smNativeData xmlns="" xmlns:p14="http://schemas.microsoft.com/office/powerpoint/2010/main" xmlns:pr="smNativeData" val="SMDATA_13_eIVQYBMAAAAlAAAAZAAAAA0AAAAAkAAAAEgAAACQAAAASAAAAAAAAAAAAAAAAAAAAAEAAABQAAAAAAAAAAAA4D8AAAAAAADgPwAAAAAAAOA/AAAAAAAA4D8AAAAAAADgPwAAAAAAAOA/AAAAAAAA4D8AAAAAAADgPwAAAAAAAOA/AAAAAAAA4D8CAAAAjAAAAAAAAAAAAAAA////AP///wgAAAAAAAAAAAAAAAAAAAAAAAAAAAAAAAAAAAAAeAAAAAEAAABAAAAAAAAAAAAAAABaAAAAAAAAAAAAAAAAAAAAAAAAAAAAAAAAAAAAAAAAAAAAAAAAAAAAAAAAAAAAAAAAAAAAAAAAAAAAAAAAAAAAAAAAAAAAAAAAAAAAFAAAADwAAAAAAAAAAAAAAAAAAAAPAAAAAQAAACMAAAAjAAAAIwAAAB4AAAAAAAAAZAAAAGQAAAAAAAAAZAAAAGQAAAAVAAAAYAAAAAAAAAAAAAAADwAAACADAAAAAAAAAAAAAAEAAACgMgAAVgcAAKr4//8BAAAAf39/AAEAAABkAAAAAAAAABQAAABAHwAAAAAAACYAAAAAAAAAwOD//wAAAAAmAAAAZAAAABYAAABMAAAAAAAAAAAAAAAEAAAAAAAAAAEAAADu7OEKAAAAACgAAAAoAAAAZAAAAGQAAAAAAAAAzMzMAAAAAABQAAAAUAAAAGQAAABkAAAAAAAAABcAAAAUAAAAAAAAAAAAAAD/fwAA/38AAAAAAAAJAAAABAAAAAAAAAAMAAAAEAAAAAAAAAAAAAAAAAAAAAAAAAAeAAAAaAAAAAAAAAAAAAAAAAAAAAAAAAAAAAAAECcAABAnAAAAAAAAAAAAAAAAAAAAAAAAAAAAAAAAAAAAAAAAAAAAABQAAAAAAAAAwMD/AAAAAABkAAAAMgAAAAAAAABkAAAAAAAAAH9/fwAKAAAAHwAAAFQAAAD///8AAAAAAQAAAAAAAAAAAAAAAAAAAAAAAAAAAAAAAAAAAAAAAAAAAAAAAH9/fwAAAAADzMzMAMDA/wB/f38AAAAAAAAAAAAAAAAAAAAAAAAAAAAhAAAAGAAAABQAAAAAAAAAAAAAAKsiAAAAAwAAEAAAACYAAAAIAAAAv58AAAAAAAA="/>
               </a:ext>
             </a:extLst>
           </p:cNvSpPr>
@@ -663,7 +664,7 @@
             <a:spLocks noGrp="1" noChangeArrowheads="1"/>
             <a:extLst>
               <a:ext uri="smNativeData">
-                <pr:smNativeData xmlns:pr="smNativeData" xmlns:p14="http://schemas.microsoft.com/office/powerpoint/2010/main" xmlns="" val="SMDATA_13_eIVQYBMAAAAlAAAAZAAAAA0AAAAAkAAAAEgAAACQAAAASAAAAAAAAAAAAAAAAAAAAAEAAABQAAAAAAAAAAAA4D8AAAAAAADgPwAAAAAAAOA/AAAAAAAA4D8AAAAAAADgPwAAAAAAAOA/AAAAAAAA4D8AAAAAAADgPwAAAAAAAOA/AAAAAAAA4D8CAAAAjAAAAAAAAAAAAAAA////AP///wgAAAAAAAAAAAAAAAAAAAAAAAAAAAAAAAAAAAAAeAAAAAEAAABAAAAAAAAAAAAAAABaAAAAAAAAAAAAAAAAAAAAAAAAAAAAAAAAAAAAAAAAAAAAAAAAAAAAAAAAAAAAAAAAAAAAAAAAAAAAAAAAAAAAAAAAAAAAAAAAAAAAFAAAADwAAAAAAAAAAAAAAAAAAAAPAAAAAQAAACMAAAAjAAAAIwAAAB4AAAAAAAAAZAAAAGQAAAAAAAAAZAAAAGQAAAAVAAAAYAAAAAAAAAAAAAAADwAAACADAAAAAAAAAAAAAAEAAACgMgAAVgcAAKr4//8BAAAAf39/AAEAAABkAAAAAAAAABQAAABAHwAAAAAAACYAAAAAAAAAwOD//wAAAAAmAAAAZAAAABYAAABMAAAAAAAAAAAAAAAEAAAAAAAAAAEAAADu7OEKAAAAACgAAAAoAAAAZAAAAGQAAAAAAAAAzMzMAAAAAABQAAAAUAAAAGQAAABkAAAAAAAAABcAAAAUAAAAAAAAAAAAAAD/fwAA/38AAAAAAAAJAAAABAAAAPT09P8MAAAAEAAAAAAAAAAAAAAAAAAAAAAAAAAeAAAAaAAAAAAAAAAAAAAAAAAAAAAAAAAAAAAAECcAABAnAAAAAAAAAAAAAAAAAAAAAAAAAAAAAAAAAAAAAAAAAAAAABQAAAAAAAAAwMD/AAAAAABkAAAAMgAAAAAAAABkAAAAAAAAAH9/fwAKAAAAHwAAAFQAAAD///8AAAAAAQAAAAAAAAAAAAAAAAAAAAAAAAAAAAAAAAAAAAAAAAAAAAAAAH9/fwAAAAADzMzMAMDA/wB/f38AAAAAAAAAAAAAAAAAAAAAAAAAAAAhAAAAGAAAABQAAABQLQAAAAAAAPtPAAAAAwAAEAAAACYAAAAIAAAAv58AAAAAAAA="/>
+                <pr:smNativeData xmlns="" xmlns:p14="http://schemas.microsoft.com/office/powerpoint/2010/main" xmlns:pr="smNativeData" val="SMDATA_13_eIVQYBMAAAAlAAAAZAAAAA0AAAAAkAAAAEgAAACQAAAASAAAAAAAAAAAAAAAAAAAAAEAAABQAAAAAAAAAAAA4D8AAAAAAADgPwAAAAAAAOA/AAAAAAAA4D8AAAAAAADgPwAAAAAAAOA/AAAAAAAA4D8AAAAAAADgPwAAAAAAAOA/AAAAAAAA4D8CAAAAjAAAAAAAAAAAAAAA////AP///wgAAAAAAAAAAAAAAAAAAAAAAAAAAAAAAAAAAAAAeAAAAAEAAABAAAAAAAAAAAAAAABaAAAAAAAAAAAAAAAAAAAAAAAAAAAAAAAAAAAAAAAAAAAAAAAAAAAAAAAAAAAAAAAAAAAAAAAAAAAAAAAAAAAAAAAAAAAAAAAAAAAAFAAAADwAAAAAAAAAAAAAAAAAAAAPAAAAAQAAACMAAAAjAAAAIwAAAB4AAAAAAAAAZAAAAGQAAAAAAAAAZAAAAGQAAAAVAAAAYAAAAAAAAAAAAAAADwAAACADAAAAAAAAAAAAAAEAAACgMgAAVgcAAKr4//8BAAAAf39/AAEAAABkAAAAAAAAABQAAABAHwAAAAAAACYAAAAAAAAAwOD//wAAAAAmAAAAZAAAABYAAABMAAAAAAAAAAAAAAAEAAAAAAAAAAEAAADu7OEKAAAAACgAAAAoAAAAZAAAAGQAAAAAAAAAzMzMAAAAAABQAAAAUAAAAGQAAABkAAAAAAAAABcAAAAUAAAAAAAAAAAAAAD/fwAA/38AAAAAAAAJAAAABAAAAPT09P8MAAAAEAAAAAAAAAAAAAAAAAAAAAAAAAAeAAAAaAAAAAAAAAAAAAAAAAAAAAAAAAAAAAAAECcAABAnAAAAAAAAAAAAAAAAAAAAAAAAAAAAAAAAAAAAAAAAAAAAABQAAAAAAAAAwMD/AAAAAABkAAAAMgAAAAAAAABkAAAAAAAAAH9/fwAKAAAAHwAAAFQAAAD///8AAAAAAQAAAAAAAAAAAAAAAAAAAAAAAAAAAAAAAAAAAAAAAAAAAAAAAH9/fwAAAAADzMzMAMDA/wB/f38AAAAAAAAAAAAAAAAAAAAAAAAAAAAhAAAAGAAAABQAAABQLQAAAAAAAPtPAAAAAwAAEAAAACYAAAAIAAAAv58AAAAAAAA="/>
               </a:ext>
             </a:extLst>
           </p:cNvSpPr>
@@ -720,7 +721,7 @@
               <a:defRPr lang="de-de"/>
             </a:pPr>
             <a:fld id="{5572C999-D7B8-273F-F6CA-216A87840074}" type="datetime1">
-              <a:t>3/24/2021</a:t>
+              <a:t>3/25/2021</a:t>
             </a:fld>
             <a:endParaRPr/>
           </a:p>
@@ -733,7 +734,7 @@
             <a:spLocks noGrp="1" noRot="1" noChangeAspect="1" noChangeArrowheads="1"/>
             <a:extLst>
               <a:ext uri="smNativeData">
-                <pr:smNativeData xmlns:pr="smNativeData" xmlns:p14="http://schemas.microsoft.com/office/powerpoint/2010/main" xmlns="" val="SMDATA_13_eIVQYBMAAAAlAAAAZAAAAC0AAAAAkAAAAEgAAACQAAAASAAAAAAAAAABAAAAAAAAAAEAAABQAAAAAAAAAAAA4D8AAAAAAADgPwAAAAAAAOA/AAAAAAAA4D8AAAAAAADgPwAAAAAAAOA/AAAAAAAA4D8AAAAAAADgPwAAAAAAAOA/AAAAAAAA4D8CAAAAjAAAAAAAAAAAAAAAT4G9DP///wgAAAAAAAAAAAAAAAAAAAAAAAAAAAAAAAAAAAAAZAAAAAEAAABAAAAAAAAAAAAAAAAAAAAAAAAAAAAAAAAAAAAAAAAAAAAAAAAAAAAAAAAAAAAAAAAAAAAAAAAAAAAAAAAAAAAAAAAAAAAAAAAAAAAAAAAAAAAAAAAAAAAAFAAAADwAAAABAAAAAAAAAAAAAAAUAAAAAQAAACMAAAAjAAAAIwAAAB4AAAAAAAAAZAAAAGQAAAAAAAAAZAAAAGQAAAAVAAAAYAAAAAAAAAAAAAAADwAAACADAAAAAAAAAAAAAAEAAACgMgAAVgcAAKr4//8BAAAAf39/AAEAAABkAAAAAAAAABQAAABAHwAAAAAAACYAAAAAAAAAwOD//wAAAAAmAAAAZAAAABYAAABMAAAAAAAAAAAAAAAEAAAAAAAAAAEAAADu7OEKAAAAACgAAAAoAAAAZAAAAGQAAAAAAAAAzMzMAAAAAABQAAAAUAAAAGQAAABkAAAAAAAAABcAAAAUAAAAAAAAAAAAAAD/fwAA/38AAAAAAAAJAAAABAAAAPT09P8MAAAAEAAAAAAAAAAAAAAAAAAAAAAAAAAeAAAAaAAAAAAAAAAAAAAAAAAAAAAAAAAAAAAAECcAABAnAAAAAAAAAAAAAAAAAAAAAAAAAAAAAAAAAAAAAAAAAAAAABQAAAAAAAAAwMD/AAAAAABkAAAAMgAAAAAAAABkAAAAAAAAAH9/fwAKAAAAHwAAAFQAAAAAAAAFAAAAAQAAAAAAAAAAAAAAAAAAAAAAAAAAAAAAAAAAAAAAAAAAAAAAAH9/fwAAAAADzMzMAMDA/wB/f38AAAAAAAAAAAAAAAAAAAAAAAAAAAAhAAAAGAAAABQAAAAAGQAAgQQAAAA3AAABGwAAEAAAACYAAAAIAAAAvx8AAP8fAAA="/>
+                <pr:smNativeData xmlns="" xmlns:p14="http://schemas.microsoft.com/office/powerpoint/2010/main" xmlns:pr="smNativeData" val="SMDATA_13_eIVQYBMAAAAlAAAAZAAAAC0AAAAAkAAAAEgAAACQAAAASAAAAAAAAAABAAAAAAAAAAEAAABQAAAAAAAAAAAA4D8AAAAAAADgPwAAAAAAAOA/AAAAAAAA4D8AAAAAAADgPwAAAAAAAOA/AAAAAAAA4D8AAAAAAADgPwAAAAAAAOA/AAAAAAAA4D8CAAAAjAAAAAAAAAAAAAAAT4G9DP///wgAAAAAAAAAAAAAAAAAAAAAAAAAAAAAAAAAAAAAZAAAAAEAAABAAAAAAAAAAAAAAAAAAAAAAAAAAAAAAAAAAAAAAAAAAAAAAAAAAAAAAAAAAAAAAAAAAAAAAAAAAAAAAAAAAAAAAAAAAAAAAAAAAAAAAAAAAAAAAAAAAAAAFAAAADwAAAABAAAAAAAAAAAAAAAUAAAAAQAAACMAAAAjAAAAIwAAAB4AAAAAAAAAZAAAAGQAAAAAAAAAZAAAAGQAAAAVAAAAYAAAAAAAAAAAAAAADwAAACADAAAAAAAAAAAAAAEAAACgMgAAVgcAAKr4//8BAAAAf39/AAEAAABkAAAAAAAAABQAAABAHwAAAAAAACYAAAAAAAAAwOD//wAAAAAmAAAAZAAAABYAAABMAAAAAAAAAAAAAAAEAAAAAAAAAAEAAADu7OEKAAAAACgAAAAoAAAAZAAAAGQAAAAAAAAAzMzMAAAAAABQAAAAUAAAAGQAAABkAAAAAAAAABcAAAAUAAAAAAAAAAAAAAD/fwAA/38AAAAAAAAJAAAABAAAAPT09P8MAAAAEAAAAAAAAAAAAAAAAAAAAAAAAAAeAAAAaAAAAAAAAAAAAAAAAAAAAAAAAAAAAAAAECcAABAnAAAAAAAAAAAAAAAAAAAAAAAAAAAAAAAAAAAAAAAAAAAAABQAAAAAAAAAwMD/AAAAAABkAAAAMgAAAAAAAABkAAAAAAAAAH9/fwAKAAAAHwAAAFQAAAAAAAAFAAAAAQAAAAAAAAAAAAAAAAAAAAAAAAAAAAAAAAAAAAAAAAAAAAAAAH9/fwAAAAADzMzMAMDA/wB/f38AAAAAAAAAAAAAAAAAAAAAAAAAAAAhAAAAGAAAABQAAAAAGQAAgQQAAAA3AAABGwAAEAAAACYAAAAIAAAAvx8AAP8fAAA="/>
               </a:ext>
             </a:extLst>
           </p:cNvSpPr>
@@ -781,7 +782,7 @@
             <a:spLocks noGrp="1" noChangeArrowheads="1"/>
             <a:extLst>
               <a:ext uri="smNativeData">
-                <pr:smNativeData xmlns:pr="smNativeData" xmlns:p14="http://schemas.microsoft.com/office/powerpoint/2010/main" xmlns="" val="SMDATA_13_eIVQYBMAAAAlAAAAZAAAAA0AAAAAkAAAAEgAAACQAAAASAAAAAAAAAAAAAAAAAAAAAEAAABQAAAAAAAAAAAA4D8AAAAAAADgPwAAAAAAAOA/AAAAAAAA4D8AAAAAAADgPwAAAAAAAOA/AAAAAAAA4D8AAAAAAADgPwAAAAAAAOA/AAAAAAAA4D8CAAAAjAAAAAAAAAAAAAAAT4G9DP///wgAAAAAAAAAAAAAAAAAAAAAAAAAAAAAAAAAAAAAZAAAAAEAAABAAAAAAAAAAAAAAAAAAAAAAAAAAAAAAAAAAAAAAAAAAAAAAAAAAAAAAAAAAAAAAAAAAAAAAAAAAAAAAAAAAAAAAAAAAAAAAAAAAAAAAAAAAAAAAAAAAAAAFAAAADwAAAAAAAAAAAAAAAAAAAkUAAAAAQAAABQAAAAUAAAAFAAAAAEAAAAAAAAAZAAAAGQAAAAAAAAAZAAAAGQAAAAVAAAAYAAAAAAAAAAAAAAADwAAACADAAAAAAAAAAAAAAEAAACgMgAAVgcAAKr4//8BAAAAf39/AAEAAABkAAAAAAAAABQAAABAHwAAAAAAACYAAAAAAAAAwOD//wAAAAAmAAAAZAAAABYAAABMAAAAAAAAAAAAAAAEAAAAAAAAAAEAAADu7OEKAAAAACgAAAAoAAAAZAAAAGQAAAAAAAAAzMzMAAAAAABQAAAAUAAAAGQAAABkAAAAAAAAABcAAAAUAAAAAAAAAAAAAAD/fwAA/38AAAAAAAAJAAAABAAAAPT09P8MAAAAEAAAAAAAAAAAAAAAAAAAAAAAAAAeAAAAaAAAAAAAAAAAAAAAAAAAAAAAAAAAAAAAECcAABAnAAAAAAAAAAAAAAAAAAAAAAAAAAAAAAAAAAAAAAAAAAAAABQAAAAAAAAAwMD/AAAAAABkAAAAMgAAAAAAAABkAAAAAAAAAH9/fwAKAAAAHwAAAFQAAAAAAAAFAAAAAQAAAAAAAAAAAAAAAAAAAAAAAAAAAAAAAAAAAAAAAAAAAAAAAn9/fwAAAAADzMzMAMDA/wB/f38AAAAAAAAAAAAAAAAAAAAAAAAAAAAhAAAAGAAAABQAAAAACAAAfxwAAAFIAACANwAAEAAAACYAAAAIAAAAvx8AAP8fAAA="/>
+                <pr:smNativeData xmlns="" xmlns:p14="http://schemas.microsoft.com/office/powerpoint/2010/main" xmlns:pr="smNativeData" val="SMDATA_13_eIVQYBMAAAAlAAAAZAAAAA0AAAAAkAAAAEgAAACQAAAASAAAAAAAAAAAAAAAAAAAAAEAAABQAAAAAAAAAAAA4D8AAAAAAADgPwAAAAAAAOA/AAAAAAAA4D8AAAAAAADgPwAAAAAAAOA/AAAAAAAA4D8AAAAAAADgPwAAAAAAAOA/AAAAAAAA4D8CAAAAjAAAAAAAAAAAAAAAT4G9DP///wgAAAAAAAAAAAAAAAAAAAAAAAAAAAAAAAAAAAAAZAAAAAEAAABAAAAAAAAAAAAAAAAAAAAAAAAAAAAAAAAAAAAAAAAAAAAAAAAAAAAAAAAAAAAAAAAAAAAAAAAAAAAAAAAAAAAAAAAAAAAAAAAAAAAAAAAAAAAAAAAAAAAAFAAAADwAAAAAAAAAAAAAAAAAAAkUAAAAAQAAABQAAAAUAAAAFAAAAAEAAAAAAAAAZAAAAGQAAAAAAAAAZAAAAGQAAAAVAAAAYAAAAAAAAAAAAAAADwAAACADAAAAAAAAAAAAAAEAAACgMgAAVgcAAKr4//8BAAAAf39/AAEAAABkAAAAAAAAABQAAABAHwAAAAAAACYAAAAAAAAAwOD//wAAAAAmAAAAZAAAABYAAABMAAAAAAAAAAAAAAAEAAAAAAAAAAEAAADu7OEKAAAAACgAAAAoAAAAZAAAAGQAAAAAAAAAzMzMAAAAAABQAAAAUAAAAGQAAABkAAAAAAAAABcAAAAUAAAAAAAAAAAAAAD/fwAA/38AAAAAAAAJAAAABAAAAPT09P8MAAAAEAAAAAAAAAAAAAAAAAAAAAAAAAAeAAAAaAAAAAAAAAAAAAAAAAAAAAAAAAAAAAAAECcAABAnAAAAAAAAAAAAAAAAAAAAAAAAAAAAAAAAAAAAAAAAAAAAABQAAAAAAAAAwMD/AAAAAABkAAAAMgAAAAAAAABkAAAAAAAAAH9/fwAKAAAAHwAAAFQAAAAAAAAFAAAAAQAAAAAAAAAAAAAAAAAAAAAAAAAAAAAAAAAAAAAAAAAAAAAAAn9/fwAAAAADzMzMAMDA/wB/f38AAAAAAAAAAAAAAAAAAAAAAAAAAAAhAAAAGAAAABQAAAAACAAAfxwAAAFIAACANwAAEAAAACYAAAAIAAAAvx8AAP8fAAA="/>
               </a:ext>
             </a:extLst>
           </p:cNvSpPr>
@@ -858,7 +859,7 @@
             <a:spLocks noGrp="1" noChangeArrowheads="1"/>
             <a:extLst>
               <a:ext uri="smNativeData">
-                <pr:smNativeData xmlns:pr="smNativeData" xmlns:p14="http://schemas.microsoft.com/office/powerpoint/2010/main" xmlns="" val="SMDATA_13_eIVQYBMAAAAlAAAAZAAAAA0AAAAAkAAAAEgAAACQAAAASAAAAAAAAAACAAAAAAAAAAEAAABQAAAAAAAAAAAA4D8AAAAAAADgPwAAAAAAAOA/AAAAAAAA4D8AAAAAAADgPwAAAAAAAOA/AAAAAAAA4D8AAAAAAADgPwAAAAAAAOA/AAAAAAAA4D8CAAAAjAAAAAAAAAAAAAAAT4G9DP///wgAAAAAAAAAAAAAAAAAAAAAAAAAAAAAAAAAAAAAZAAAAAEAAABAAAAAAAAAAAAAAAAAAAAAAAAAAAAAAAAAAAAAAAAAAAAAAAAAAAAAAAAAAAAAAAAAAAAAAAAAAAAAAAAAAAAAAAAAAAAAAAAAAAAAAAAAAAAAAAAAAAAAFAAAADwAAAAAAAAAAAAAAAAAAAkUAAAAAQAAABQAAAAUAAAAFAAAAAEAAAAAAAAAZAAAAGQAAAAAAAAAZAAAAGQAAAAVAAAAYAAAAAAAAAAAAAAADwAAACADAAAAAAAAAAAAAAEAAACgMgAAVgcAAKr4//8BAAAAf39/AAEAAABkAAAAAAAAABQAAABAHwAAAAAAACYAAAAAAAAAwOD//wAAAAAmAAAAZAAAABYAAABMAAAAAAAAAAAAAAAEAAAAAAAAAAEAAADu7OEKAAAAACgAAAAoAAAAZAAAAGQAAAAAAAAAzMzMAAAAAABQAAAAUAAAAGQAAABkAAAAAAAAABcAAAAUAAAAAAAAAAAAAAD/fwAA/38AAAAAAAAJAAAABAAAAPT09P8MAAAAEAAAAAAAAAAAAAAAAAAAAAAAAAAeAAAAaAAAAAAAAAAAAAAAAAAAAAAAAAAAAAAAECcAABAnAAAAAAAAAAAAAAAAAAAAAAAAAAAAAAAAAAAAAAAAAAAAABQAAAAAAAAAwMD/AAAAAABkAAAAMgAAAAAAAABkAAAAAAAAAH9/fwAKAAAAHwAAAFQAAAAAAAAFAAAAAQAAAAAAAAAAAAAAAAAAAAAAAAAAAAAAAAAAAAAAAAAAAAAAAn9/fwAAAAADzMzMAMDA/wB/f38AAAAAAAAAAAAAAAAAAAAAAAAAAAAhAAAAGAAAABQAAAAAAAAA/jgAAKsiAAD+OwAAEAAAACYAAAAIAAAAv58AAP8fAAA="/>
+                <pr:smNativeData xmlns="" xmlns:p14="http://schemas.microsoft.com/office/powerpoint/2010/main" xmlns:pr="smNativeData" val="SMDATA_13_eIVQYBMAAAAlAAAAZAAAAA0AAAAAkAAAAEgAAACQAAAASAAAAAAAAAACAAAAAAAAAAEAAABQAAAAAAAAAAAA4D8AAAAAAADgPwAAAAAAAOA/AAAAAAAA4D8AAAAAAADgPwAAAAAAAOA/AAAAAAAA4D8AAAAAAADgPwAAAAAAAOA/AAAAAAAA4D8CAAAAjAAAAAAAAAAAAAAAT4G9DP///wgAAAAAAAAAAAAAAAAAAAAAAAAAAAAAAAAAAAAAZAAAAAEAAABAAAAAAAAAAAAAAAAAAAAAAAAAAAAAAAAAAAAAAAAAAAAAAAAAAAAAAAAAAAAAAAAAAAAAAAAAAAAAAAAAAAAAAAAAAAAAAAAAAAAAAAAAAAAAAAAAAAAAFAAAADwAAAAAAAAAAAAAAAAAAAkUAAAAAQAAABQAAAAUAAAAFAAAAAEAAAAAAAAAZAAAAGQAAAAAAAAAZAAAAGQAAAAVAAAAYAAAAAAAAAAAAAAADwAAACADAAAAAAAAAAAAAAEAAACgMgAAVgcAAKr4//8BAAAAf39/AAEAAABkAAAAAAAAABQAAABAHwAAAAAAACYAAAAAAAAAwOD//wAAAAAmAAAAZAAAABYAAABMAAAAAAAAAAAAAAAEAAAAAAAAAAEAAADu7OEKAAAAACgAAAAoAAAAZAAAAGQAAAAAAAAAzMzMAAAAAABQAAAAUAAAAGQAAABkAAAAAAAAABcAAAAUAAAAAAAAAAAAAAD/fwAA/38AAAAAAAAJAAAABAAAAPT09P8MAAAAEAAAAAAAAAAAAAAAAAAAAAAAAAAeAAAAaAAAAAAAAAAAAAAAAAAAAAAAAAAAAAAAECcAABAnAAAAAAAAAAAAAAAAAAAAAAAAAAAAAAAAAAAAAAAAAAAAABQAAAAAAAAAwMD/AAAAAABkAAAAMgAAAAAAAABkAAAAAAAAAH9/fwAKAAAAHwAAAFQAAAAAAAAFAAAAAQAAAAAAAAAAAAAAAAAAAAAAAAAAAAAAAAAAAAAAAAAAAAAAAn9/fwAAAAADzMzMAMDA/wB/f38AAAAAAAAAAAAAAAAAAAAAAAAAAAAhAAAAGAAAABQAAAAAAAAA/jgAAKsiAAD+OwAAEAAAACYAAAAIAAAAv58AAP8fAAA="/>
               </a:ext>
             </a:extLst>
           </p:cNvSpPr>
@@ -929,7 +930,7 @@
             <a:spLocks noGrp="1" noChangeArrowheads="1"/>
             <a:extLst>
               <a:ext uri="smNativeData">
-                <pr:smNativeData xmlns:pr="smNativeData" xmlns:p14="http://schemas.microsoft.com/office/powerpoint/2010/main" xmlns="" val="SMDATA_13_eIVQYBMAAAAlAAAAZAAAAA0AAAAAkAAAAEgAAACQAAAASAAAAAAAAAACAAAAAAAAAAEAAABQAAAAAAAAAAAA4D8AAAAAAADgPwAAAAAAAOA/AAAAAAAA4D8AAAAAAADgPwAAAAAAAOA/AAAAAAAA4D8AAAAAAADgPwAAAAAAAOA/AAAAAAAA4D8CAAAAjAAAAAAAAAAAAAAAT4G9DP///wgAAAAAAAAAAAAAAAAAAAAAAAAAAAAAAAAAAAAAZAAAAAEAAABAAAAAAAAAAAAAAAAAAAAAAAAAAAAAAAAAAAAAAAAAAAAAAAAAAAAAAAAAAAAAAAAAAAAAAAAAAAAAAAAAAAAAAAAAAAAAAAAAAAAAAAAAAAAAAAAAAAAAFAAAADwAAAAAAAAAAAAAAAAAAAkUAAAAAQAAABQAAAAUAAAAFAAAAAEAAAAAAAAAZAAAAGQAAAAAAAAAZAAAAGQAAAAVAAAAYAAAAAAAAAAAAAAADwAAACADAAAAAAAAAAAAAAEAAACgMgAAVgcAAKr4//8BAAAAf39/AAEAAABkAAAAAAAAABQAAABAHwAAAAAAACYAAAAAAAAAwOD//wAAAAAmAAAAZAAAABYAAABMAAAAAAAAAAAAAAAEAAAAAAAAAAEAAADu7OEKAAAAACgAAAAoAAAAZAAAAGQAAAAAAAAAzMzMAAAAAABQAAAAUAAAAGQAAABkAAAAAAAAABcAAAAUAAAAAAAAAAAAAAD/fwAA/38AAAAAAAAJAAAABAAAAPT09P8MAAAAEAAAAAAAAAAAAAAAAAAAAAAAAAAeAAAAaAAAAAAAAAAAAAAAAAAAAAAAAAAAAAAAECcAABAnAAAAAAAAAAAAAAAAAAAAAAAAAAAAAAAAAAAAAAAAAAAAABQAAAAAAAAAwMD/AAAAAABkAAAAMgAAAAAAAABkAAAAAAAAAH9/fwAKAAAAHwAAAFQAAAAAAAAFAAAAAQAAAAAAAAAAAAAAAAAAAAAAAAAAAAAAAAAAAAAAAAAAAAAAAn9/fwAAAAADzMzMAMDA/wB/f38AAAAAAAAAAAAAAAAAAAAAAAAAAAAhAAAAGAAAABQAAABQLQAA/jgAAPtPAAD+OwAAEAAAACYAAAAIAAAAv58AAP8fAAA="/>
+                <pr:smNativeData xmlns="" xmlns:p14="http://schemas.microsoft.com/office/powerpoint/2010/main" xmlns:pr="smNativeData" val="SMDATA_13_eIVQYBMAAAAlAAAAZAAAAA0AAAAAkAAAAEgAAACQAAAASAAAAAAAAAACAAAAAAAAAAEAAABQAAAAAAAAAAAA4D8AAAAAAADgPwAAAAAAAOA/AAAAAAAA4D8AAAAAAADgPwAAAAAAAOA/AAAAAAAA4D8AAAAAAADgPwAAAAAAAOA/AAAAAAAA4D8CAAAAjAAAAAAAAAAAAAAAT4G9DP///wgAAAAAAAAAAAAAAAAAAAAAAAAAAAAAAAAAAAAAZAAAAAEAAABAAAAAAAAAAAAAAAAAAAAAAAAAAAAAAAAAAAAAAAAAAAAAAAAAAAAAAAAAAAAAAAAAAAAAAAAAAAAAAAAAAAAAAAAAAAAAAAAAAAAAAAAAAAAAAAAAAAAAFAAAADwAAAAAAAAAAAAAAAAAAAkUAAAAAQAAABQAAAAUAAAAFAAAAAEAAAAAAAAAZAAAAGQAAAAAAAAAZAAAAGQAAAAVAAAAYAAAAAAAAAAAAAAADwAAACADAAAAAAAAAAAAAAEAAACgMgAAVgcAAKr4//8BAAAAf39/AAEAAABkAAAAAAAAABQAAABAHwAAAAAAACYAAAAAAAAAwOD//wAAAAAmAAAAZAAAABYAAABMAAAAAAAAAAAAAAAEAAAAAAAAAAEAAADu7OEKAAAAACgAAAAoAAAAZAAAAGQAAAAAAAAAzMzMAAAAAABQAAAAUAAAAGQAAABkAAAAAAAAABcAAAAUAAAAAAAAAAAAAAD/fwAA/38AAAAAAAAJAAAABAAAAPT09P8MAAAAEAAAAAAAAAAAAAAAAAAAAAAAAAAeAAAAaAAAAAAAAAAAAAAAAAAAAAAAAAAAAAAAECcAABAnAAAAAAAAAAAAAAAAAAAAAAAAAAAAAAAAAAAAAAAAAAAAABQAAAAAAAAAwMD/AAAAAABkAAAAMgAAAAAAAABkAAAAAAAAAH9/fwAKAAAAHwAAAFQAAAAAAAAFAAAAAQAAAAAAAAAAAAAAAAAAAAAAAAAAAAAAAAAAAAAAAAAAAAAAAn9/fwAAAAADzMzMAMDA/wB/f38AAAAAAAAAAAAAAAAAAAAAAAAAAAAhAAAAGAAAABQAAABQLQAA/jgAAPtPAAD+OwAAEAAAACYAAAAIAAAAv58AAP8fAAA="/>
               </a:ext>
             </a:extLst>
           </p:cNvSpPr>
@@ -1235,7 +1236,7 @@
             <a:spLocks noGrp="1" noRot="1" noChangeAspect="1" noChangeArrowheads="1"/>
             <a:extLst>
               <a:ext uri="smNativeData">
-                <pr:smNativeData xmlns:pr="smNativeData" xmlns:p14="http://schemas.microsoft.com/office/powerpoint/2010/main" xmlns="" val="SMDATA_13_eIVQYBMAAAAlAAAAZAAAAC0AAAAAkAAAAEgAAACQAAAASAAAAAAAAAABAAAAAAAAAAEAAABQAAAAAAAAAAAA4D8AAAAAAADgPwAAAAAAAOA/AAAAAAAA4D8AAAAAAADgPwAAAAAAAOA/AAAAAAAA4D8AAAAAAADgPwAAAAAAAOA/AAAAAAAA4D8CAAAAjAAAAAAAAAAAAAAAT4G9DP///wgAAAAAAAAAAAAAAAAAAAAAAAAAAAAAAAAAAAAAZAAAAAEAAABAAAAAAAAAAAAAAAAAAAAAAAAAAAAAAAAAAAAAAAAAAAAAAAAAAAAAAAAAAAAAAAAAAAAAAAAAAAAAAAAAAAAAAAAAAAAAAAAAAAAAAAAAAAAAAAAAAAAAFAAAADwAAAABAAAAAAAAAAAAAAAUAAAAAQAAACMAAAAjAAAAIwAAAB4AAAAAAAAAZAAAAGQAAAAAAAAAZAAAAGQAAAAVAAAAYAAAAAAAAAAAAAAADwAAACADAAAAAAAAAAAAAAEAAACgMgAAVgcAAKr4//8BAAAAf39/AAEAAABkAAAAAAAAABQAAABAHwAAAAAAACYAAAAAAAAAwOD//wAAAAAmAAAAZAAAABYAAABMAAAAAAAAAAAAAAAEAAAAAAAAAAEAAADu7OEKAAAAACgAAAAoAAAAZAAAAGQAAAAAAAAAzMzMAAAAAABQAAAAUAAAAGQAAABkAAAAAAAAABcAAAAUAAAAAAAAAAAAAAD/fwAA/38AAAAAAAAJAAAABAAAAIwXAAAMAAAAEAAAAAAAAAAAAAAAAAAAAAAAAAAeAAAAaAAAAAAAAAAAAAAAAAAAAAAAAAAAAAAAECcAABAnAAAAAAAAAAAAAAAAAAAAAAAAAAAAAAAAAAAAAAAAAAAAABQAAAAAAAAAwMD/AAAAAABkAAAAMgAAAAAAAABkAAAAAAAAAH9/fwAKAAAAHwAAAFQAAAAAAAAFAAAAAQAAAAAAAAAAAAAAAAAAAAAAAAAAAAAAAAAAAAAAAAAAAAAAAH9/fwAAAAADzMzMAMDA/wB/f38AAAAAAAAAAAAAAAAAAAAAAAAAAAAhAAAAGAAAABQAAAAAGQAAgQQAAAA3AAABGwAAEAAAACYAAAAIAAAAAQ4AAAAAAAA="/>
+                <pr:smNativeData xmlns="" xmlns:p14="http://schemas.microsoft.com/office/powerpoint/2010/main" xmlns:pr="smNativeData" val="SMDATA_13_eIVQYBMAAAAlAAAAZAAAAC0AAAAAkAAAAEgAAACQAAAASAAAAAAAAAABAAAAAAAAAAEAAABQAAAAAAAAAAAA4D8AAAAAAADgPwAAAAAAAOA/AAAAAAAA4D8AAAAAAADgPwAAAAAAAOA/AAAAAAAA4D8AAAAAAADgPwAAAAAAAOA/AAAAAAAA4D8CAAAAjAAAAAAAAAAAAAAAT4G9DP///wgAAAAAAAAAAAAAAAAAAAAAAAAAAAAAAAAAAAAAZAAAAAEAAABAAAAAAAAAAAAAAAAAAAAAAAAAAAAAAAAAAAAAAAAAAAAAAAAAAAAAAAAAAAAAAAAAAAAAAAAAAAAAAAAAAAAAAAAAAAAAAAAAAAAAAAAAAAAAAAAAAAAAFAAAADwAAAABAAAAAAAAAAAAAAAUAAAAAQAAACMAAAAjAAAAIwAAAB4AAAAAAAAAZAAAAGQAAAAAAAAAZAAAAGQAAAAVAAAAYAAAAAAAAAAAAAAADwAAACADAAAAAAAAAAAAAAEAAACgMgAAVgcAAKr4//8BAAAAf39/AAEAAABkAAAAAAAAABQAAABAHwAAAAAAACYAAAAAAAAAwOD//wAAAAAmAAAAZAAAABYAAABMAAAAAAAAAAAAAAAEAAAAAAAAAAEAAADu7OEKAAAAACgAAAAoAAAAZAAAAGQAAAAAAAAAzMzMAAAAAABQAAAAUAAAAGQAAABkAAAAAAAAABcAAAAUAAAAAAAAAAAAAAD/fwAA/38AAAAAAAAJAAAABAAAAIwXAAAMAAAAEAAAAAAAAAAAAAAAAAAAAAAAAAAeAAAAaAAAAAAAAAAAAAAAAAAAAAAAAAAAAAAAECcAABAnAAAAAAAAAAAAAAAAAAAAAAAAAAAAAAAAAAAAAAAAAAAAABQAAAAAAAAAwMD/AAAAAABkAAAAMgAAAAAAAABkAAAAAAAAAH9/fwAKAAAAHwAAAFQAAAAAAAAFAAAAAQAAAAAAAAAAAAAAAAAAAAAAAAAAAAAAAAAAAAAAAAAAAAAAAH9/fwAAAAADzMzMAMDA/wB/f38AAAAAAAAAAAAAAAAAAAAAAAAAAAAhAAAAGAAAABQAAAAAGQAAgQQAAAA3AAABGwAAEAAAACYAAAAIAAAAAQ4AAAAAAAA="/>
               </a:ext>
             </a:extLst>
           </p:cNvSpPr>
@@ -1245,7 +1246,7 @@
         </p:nvSpPr>
         <p:spPr>
           <a:xfrm>
-            <a:off x="4064000" y="732155"/>
+            <a:off x="4064000" y="731838"/>
             <a:ext cx="4876800" cy="3657600"/>
           </a:xfrm>
         </p:spPr>
@@ -1257,7 +1258,7 @@
             <a:spLocks noGrp="1" noChangeArrowheads="1"/>
             <a:extLst>
               <a:ext uri="smNativeData">
-                <pr:smNativeData xmlns:pr="smNativeData" xmlns:p14="http://schemas.microsoft.com/office/powerpoint/2010/main" xmlns="" val="SMDATA_13_eIVQYBMAAAAlAAAAZAAAAA0AAAAAkAAAAEgAAACQAAAASAAAAAAAAAAAAAAAAAAAAAEAAABQAAAAAAAAAAAA4D8AAAAAAADgPwAAAAAAAOA/AAAAAAAA4D8AAAAAAADgPwAAAAAAAOA/AAAAAAAA4D8AAAAAAADgPwAAAAAAAOA/AAAAAAAA4D8CAAAAjAAAAAAAAAAAAAAAT4G9DP///wgAAAAAAAAAAAAAAAAAAAAAAAAAAAAAAAAAAAAAZAAAAAEAAABAAAAAAAAAAAAAAAAAAAAAAAAAAAAAAAAAAAAAAAAAAAAAAAAAAAAAAAAAAAAAAAAAAAAAAAAAAAAAAAAAAAAAAAAAAAAAAAAAAAAAAAAAAAAAAAAAAAAAFAAAADwAAAAAAAAAAAAAAAAAAAkUAAAAAQAAABQAAAAUAAAAFAAAAAEAAAAAAAAAZAAAAGQAAAAAAAAAZAAAAGQAAAAVAAAAYAAAAAAAAAAAAAAADwAAACADAAAAAAAAAAAAAAEAAACgMgAAVgcAAKr4//8BAAAAf39/AAEAAABkAAAAAAAAABQAAABAHwAAAAAAACYAAAAAAAAAwOD//wAAAAAmAAAAZAAAABYAAABMAAAAAAAAAAAAAAAEAAAAAAAAAAEAAADu7OEKAAAAACgAAAAoAAAAZAAAAGQAAAAAAAAAzMzMAAAAAABQAAAAUAAAAGQAAABkAAAAAAAAABcAAAAUAAAAAAAAAAAAAAD/fwAA/38AAAAAAAAJAAAABAAAAAAAAAAMAAAAEAAAAAAAAAAAAAAAAAAAAAAAAAAeAAAAaAAAAAAAAAAAAAAAAAAAAAAAAAAAAAAAECcAABAnAAAAAAAAAAAAAAAAAAAAAAAAAAAAAAAAAAAAAAAAAAAAABQAAAAAAAAAwMD/AAAAAABkAAAAMgAAAAAAAABkAAAAAAAAAH9/fwAKAAAAHwAAAFQAAAAAAAAFAAAAAQAAAAAAAAAAAAAAAAAAAAAAAAAAAAAAAAAAAAAAAAAAAAAAAn9/fwAAAAADzMzMAMDA/wB/f38AAAAAAAAAAAAAAAAAAAAAAAAAAAAhAAAAGAAAABQAAAAACAAAfxwAAAFIAACANwAAEAAAACYAAAAIAAAAvx4AAAAAAAA="/>
+                <pr:smNativeData xmlns="" xmlns:p14="http://schemas.microsoft.com/office/powerpoint/2010/main" xmlns:pr="smNativeData" val="SMDATA_13_eIVQYBMAAAAlAAAAZAAAAA0AAAAAkAAAAEgAAACQAAAASAAAAAAAAAAAAAAAAAAAAAEAAABQAAAAAAAAAAAA4D8AAAAAAADgPwAAAAAAAOA/AAAAAAAA4D8AAAAAAADgPwAAAAAAAOA/AAAAAAAA4D8AAAAAAADgPwAAAAAAAOA/AAAAAAAA4D8CAAAAjAAAAAAAAAAAAAAAT4G9DP///wgAAAAAAAAAAAAAAAAAAAAAAAAAAAAAAAAAAAAAZAAAAAEAAABAAAAAAAAAAAAAAAAAAAAAAAAAAAAAAAAAAAAAAAAAAAAAAAAAAAAAAAAAAAAAAAAAAAAAAAAAAAAAAAAAAAAAAAAAAAAAAAAAAAAAAAAAAAAAAAAAAAAAFAAAADwAAAAAAAAAAAAAAAAAAAkUAAAAAQAAABQAAAAUAAAAFAAAAAEAAAAAAAAAZAAAAGQAAAAAAAAAZAAAAGQAAAAVAAAAYAAAAAAAAAAAAAAADwAAACADAAAAAAAAAAAAAAEAAACgMgAAVgcAAKr4//8BAAAAf39/AAEAAABkAAAAAAAAABQAAABAHwAAAAAAACYAAAAAAAAAwOD//wAAAAAmAAAAZAAAABYAAABMAAAAAAAAAAAAAAAEAAAAAAAAAAEAAADu7OEKAAAAACgAAAAoAAAAZAAAAGQAAAAAAAAAzMzMAAAAAABQAAAAUAAAAGQAAABkAAAAAAAAABcAAAAUAAAAAAAAAAAAAAD/fwAA/38AAAAAAAAJAAAABAAAAAAAAAAMAAAAEAAAAAAAAAAAAAAAAAAAAAAAAAAeAAAAaAAAAAAAAAAAAAAAAAAAAAAAAAAAAAAAECcAABAnAAAAAAAAAAAAAAAAAAAAAAAAAAAAAAAAAAAAAAAAAAAAABQAAAAAAAAAwMD/AAAAAABkAAAAMgAAAAAAAABkAAAAAAAAAH9/fwAKAAAAHwAAAFQAAAAAAAAFAAAAAQAAAAAAAAAAAAAAAAAAAAAAAAAAAAAAAAAAAAAAAAAAAAAAAn9/fwAAAAADzMzMAMDA/wB/f38AAAAAAAAAAAAAAAAAAAAAAAAAAAAhAAAAGAAAABQAAAAACAAAfxwAAAFIAACANwAAEAAAACYAAAAIAAAAvx4AAAAAAAA="/>
               </a:ext>
             </a:extLst>
           </p:cNvSpPr>
@@ -1282,11 +1283,536 @@
             <a:pPr>
               <a:defRPr lang="de-de"/>
             </a:pPr>
-            <a:endParaRPr/>
+            <a:endParaRPr dirty="0"/>
           </a:p>
         </p:txBody>
       </p:sp>
     </p:spTree>
+  </p:cSld>
+  <p:clrMapOvr>
+    <a:masterClrMapping/>
+  </p:clrMapOvr>
+</p:notes>
+</file>
+
+<file path=ppt/notesSlides/notesSlide2.xml><?xml version="1.0" encoding="utf-8"?>
+<p:notes xmlns:a="http://schemas.openxmlformats.org/drawingml/2006/main" xmlns:r="http://schemas.openxmlformats.org/officeDocument/2006/relationships" xmlns:p="http://schemas.openxmlformats.org/presentationml/2006/main">
+  <p:cSld>
+    <p:spTree>
+      <p:nvGrpSpPr>
+        <p:cNvPr id="1" name=""/>
+        <p:cNvGrpSpPr/>
+        <p:nvPr/>
+      </p:nvGrpSpPr>
+      <p:grpSpPr>
+        <a:xfrm>
+          <a:off x="0" y="0"/>
+          <a:ext cx="0" cy="0"/>
+          <a:chOff x="0" y="0"/>
+          <a:chExt cx="0" cy="0"/>
+        </a:xfrm>
+      </p:grpSpPr>
+      <p:sp>
+        <p:nvSpPr>
+          <p:cNvPr id="2" name="Slide Image Placeholder 1"/>
+          <p:cNvSpPr>
+            <a:spLocks noGrp="1" noRot="1" noChangeAspect="1"/>
+          </p:cNvSpPr>
+          <p:nvPr>
+            <p:ph type="sldImg"/>
+          </p:nvPr>
+        </p:nvSpPr>
+        <p:spPr>
+          <a:xfrm>
+            <a:off x="4064000" y="731838"/>
+            <a:ext cx="4876800" cy="3657600"/>
+          </a:xfrm>
+        </p:spPr>
+      </p:sp>
+      <p:sp>
+        <p:nvSpPr>
+          <p:cNvPr id="3" name="Notes Placeholder 2"/>
+          <p:cNvSpPr>
+            <a:spLocks noGrp="1"/>
+          </p:cNvSpPr>
+          <p:nvPr>
+            <p:ph type="body" idx="1"/>
+          </p:nvPr>
+        </p:nvSpPr>
+        <p:spPr/>
+        <p:txBody>
+          <a:bodyPr/>
+          <a:lstStyle/>
+          <a:p>
+            <a:endParaRPr lang="en-GB" dirty="0"/>
+          </a:p>
+        </p:txBody>
+      </p:sp>
+    </p:spTree>
+    <p:extLst>
+      <p:ext uri="{BB962C8B-B14F-4D97-AF65-F5344CB8AC3E}">
+        <p14:creationId xmlns:p14="http://schemas.microsoft.com/office/powerpoint/2010/main" val="2562252816"/>
+      </p:ext>
+    </p:extLst>
+  </p:cSld>
+  <p:clrMapOvr>
+    <a:masterClrMapping/>
+  </p:clrMapOvr>
+</p:notes>
+</file>
+
+<file path=ppt/notesSlides/notesSlide3.xml><?xml version="1.0" encoding="utf-8"?>
+<p:notes xmlns:a="http://schemas.openxmlformats.org/drawingml/2006/main" xmlns:r="http://schemas.openxmlformats.org/officeDocument/2006/relationships" xmlns:p="http://schemas.openxmlformats.org/presentationml/2006/main">
+  <p:cSld>
+    <p:spTree>
+      <p:nvGrpSpPr>
+        <p:cNvPr id="1" name=""/>
+        <p:cNvGrpSpPr/>
+        <p:nvPr/>
+      </p:nvGrpSpPr>
+      <p:grpSpPr>
+        <a:xfrm>
+          <a:off x="0" y="0"/>
+          <a:ext cx="0" cy="0"/>
+          <a:chOff x="0" y="0"/>
+          <a:chExt cx="0" cy="0"/>
+        </a:xfrm>
+      </p:grpSpPr>
+      <p:sp>
+        <p:nvSpPr>
+          <p:cNvPr id="2" name="Slide Image Placeholder 1"/>
+          <p:cNvSpPr>
+            <a:spLocks noGrp="1" noRot="1" noChangeAspect="1"/>
+          </p:cNvSpPr>
+          <p:nvPr>
+            <p:ph type="sldImg"/>
+          </p:nvPr>
+        </p:nvSpPr>
+        <p:spPr>
+          <a:xfrm>
+            <a:off x="4064000" y="731838"/>
+            <a:ext cx="4876800" cy="3657600"/>
+          </a:xfrm>
+        </p:spPr>
+      </p:sp>
+      <p:sp>
+        <p:nvSpPr>
+          <p:cNvPr id="3" name="Notes Placeholder 2"/>
+          <p:cNvSpPr>
+            <a:spLocks noGrp="1"/>
+          </p:cNvSpPr>
+          <p:nvPr>
+            <p:ph type="body" idx="1"/>
+          </p:nvPr>
+        </p:nvSpPr>
+        <p:spPr/>
+        <p:txBody>
+          <a:bodyPr/>
+          <a:lstStyle/>
+          <a:p>
+            <a:endParaRPr lang="en-US" dirty="0"/>
+          </a:p>
+        </p:txBody>
+      </p:sp>
+    </p:spTree>
+    <p:extLst>
+      <p:ext uri="{BB962C8B-B14F-4D97-AF65-F5344CB8AC3E}">
+        <p14:creationId xmlns:p14="http://schemas.microsoft.com/office/powerpoint/2010/main" val="3953299900"/>
+      </p:ext>
+    </p:extLst>
+  </p:cSld>
+  <p:clrMapOvr>
+    <a:masterClrMapping/>
+  </p:clrMapOvr>
+</p:notes>
+</file>
+
+<file path=ppt/notesSlides/notesSlide4.xml><?xml version="1.0" encoding="utf-8"?>
+<p:notes xmlns:a="http://schemas.openxmlformats.org/drawingml/2006/main" xmlns:r="http://schemas.openxmlformats.org/officeDocument/2006/relationships" xmlns:p="http://schemas.openxmlformats.org/presentationml/2006/main">
+  <p:cSld>
+    <p:spTree>
+      <p:nvGrpSpPr>
+        <p:cNvPr id="1" name=""/>
+        <p:cNvGrpSpPr/>
+        <p:nvPr/>
+      </p:nvGrpSpPr>
+      <p:grpSpPr>
+        <a:xfrm>
+          <a:off x="0" y="0"/>
+          <a:ext cx="0" cy="0"/>
+          <a:chOff x="0" y="0"/>
+          <a:chExt cx="0" cy="0"/>
+        </a:xfrm>
+      </p:grpSpPr>
+      <p:sp>
+        <p:nvSpPr>
+          <p:cNvPr id="2" name="Slide Image Placeholder 1"/>
+          <p:cNvSpPr>
+            <a:spLocks noGrp="1" noRot="1" noChangeAspect="1"/>
+          </p:cNvSpPr>
+          <p:nvPr>
+            <p:ph type="sldImg"/>
+          </p:nvPr>
+        </p:nvSpPr>
+        <p:spPr>
+          <a:xfrm>
+            <a:off x="4064000" y="731838"/>
+            <a:ext cx="4876800" cy="3657600"/>
+          </a:xfrm>
+        </p:spPr>
+      </p:sp>
+      <p:sp>
+        <p:nvSpPr>
+          <p:cNvPr id="3" name="Notes Placeholder 2"/>
+          <p:cNvSpPr>
+            <a:spLocks noGrp="1"/>
+          </p:cNvSpPr>
+          <p:nvPr>
+            <p:ph type="body" idx="1"/>
+          </p:nvPr>
+        </p:nvSpPr>
+        <p:spPr/>
+        <p:txBody>
+          <a:bodyPr/>
+          <a:lstStyle/>
+          <a:p>
+            <a:pPr marL="0" indent="0">
+              <a:buNone/>
+            </a:pPr>
+            <a:endParaRPr lang="en-US" dirty="0"/>
+          </a:p>
+        </p:txBody>
+      </p:sp>
+    </p:spTree>
+    <p:extLst>
+      <p:ext uri="{BB962C8B-B14F-4D97-AF65-F5344CB8AC3E}">
+        <p14:creationId xmlns:p14="http://schemas.microsoft.com/office/powerpoint/2010/main" val="1265475981"/>
+      </p:ext>
+    </p:extLst>
+  </p:cSld>
+  <p:clrMapOvr>
+    <a:masterClrMapping/>
+  </p:clrMapOvr>
+</p:notes>
+</file>
+
+<file path=ppt/notesSlides/notesSlide5.xml><?xml version="1.0" encoding="utf-8"?>
+<p:notes xmlns:a="http://schemas.openxmlformats.org/drawingml/2006/main" xmlns:r="http://schemas.openxmlformats.org/officeDocument/2006/relationships" xmlns:p="http://schemas.openxmlformats.org/presentationml/2006/main">
+  <p:cSld>
+    <p:spTree>
+      <p:nvGrpSpPr>
+        <p:cNvPr id="1" name=""/>
+        <p:cNvGrpSpPr/>
+        <p:nvPr/>
+      </p:nvGrpSpPr>
+      <p:grpSpPr>
+        <a:xfrm>
+          <a:off x="0" y="0"/>
+          <a:ext cx="0" cy="0"/>
+          <a:chOff x="0" y="0"/>
+          <a:chExt cx="0" cy="0"/>
+        </a:xfrm>
+      </p:grpSpPr>
+      <p:sp>
+        <p:nvSpPr>
+          <p:cNvPr id="2" name="Slide Image Placeholder 1"/>
+          <p:cNvSpPr>
+            <a:spLocks noGrp="1" noRot="1" noChangeAspect="1"/>
+          </p:cNvSpPr>
+          <p:nvPr>
+            <p:ph type="sldImg"/>
+          </p:nvPr>
+        </p:nvSpPr>
+        <p:spPr>
+          <a:xfrm>
+            <a:off x="4064000" y="731838"/>
+            <a:ext cx="4876800" cy="3657600"/>
+          </a:xfrm>
+        </p:spPr>
+      </p:sp>
+      <p:sp>
+        <p:nvSpPr>
+          <p:cNvPr id="3" name="Notes Placeholder 2"/>
+          <p:cNvSpPr>
+            <a:spLocks noGrp="1"/>
+          </p:cNvSpPr>
+          <p:nvPr>
+            <p:ph type="body" idx="1"/>
+          </p:nvPr>
+        </p:nvSpPr>
+        <p:spPr/>
+        <p:txBody>
+          <a:bodyPr/>
+          <a:lstStyle/>
+          <a:p>
+            <a:pPr marL="0" indent="0">
+              <a:buNone/>
+            </a:pPr>
+            <a:endParaRPr lang="en-US" dirty="0"/>
+          </a:p>
+        </p:txBody>
+      </p:sp>
+    </p:spTree>
+    <p:extLst>
+      <p:ext uri="{BB962C8B-B14F-4D97-AF65-F5344CB8AC3E}">
+        <p14:creationId xmlns:p14="http://schemas.microsoft.com/office/powerpoint/2010/main" val="1820485269"/>
+      </p:ext>
+    </p:extLst>
+  </p:cSld>
+  <p:clrMapOvr>
+    <a:masterClrMapping/>
+  </p:clrMapOvr>
+</p:notes>
+</file>
+
+<file path=ppt/notesSlides/notesSlide6.xml><?xml version="1.0" encoding="utf-8"?>
+<p:notes xmlns:a="http://schemas.openxmlformats.org/drawingml/2006/main" xmlns:r="http://schemas.openxmlformats.org/officeDocument/2006/relationships" xmlns:p="http://schemas.openxmlformats.org/presentationml/2006/main">
+  <p:cSld>
+    <p:spTree>
+      <p:nvGrpSpPr>
+        <p:cNvPr id="1" name=""/>
+        <p:cNvGrpSpPr/>
+        <p:nvPr/>
+      </p:nvGrpSpPr>
+      <p:grpSpPr>
+        <a:xfrm>
+          <a:off x="0" y="0"/>
+          <a:ext cx="0" cy="0"/>
+          <a:chOff x="0" y="0"/>
+          <a:chExt cx="0" cy="0"/>
+        </a:xfrm>
+      </p:grpSpPr>
+      <p:sp>
+        <p:nvSpPr>
+          <p:cNvPr id="2" name="Slide Image Placeholder 1"/>
+          <p:cNvSpPr>
+            <a:spLocks noGrp="1" noRot="1" noChangeAspect="1"/>
+          </p:cNvSpPr>
+          <p:nvPr>
+            <p:ph type="sldImg"/>
+          </p:nvPr>
+        </p:nvSpPr>
+        <p:spPr>
+          <a:xfrm>
+            <a:off x="4064000" y="731838"/>
+            <a:ext cx="4876800" cy="3657600"/>
+          </a:xfrm>
+        </p:spPr>
+      </p:sp>
+      <p:sp>
+        <p:nvSpPr>
+          <p:cNvPr id="3" name="Notes Placeholder 2"/>
+          <p:cNvSpPr>
+            <a:spLocks noGrp="1"/>
+          </p:cNvSpPr>
+          <p:nvPr>
+            <p:ph type="body" idx="1"/>
+          </p:nvPr>
+        </p:nvSpPr>
+        <p:spPr/>
+        <p:txBody>
+          <a:bodyPr/>
+          <a:lstStyle/>
+          <a:p>
+            <a:pPr marL="0" marR="0" lvl="0" indent="0" algn="l" defTabSz="457200" eaLnBrk="1" fontAlgn="auto" latinLnBrk="0" hangingPunct="1">
+              <a:lnSpc>
+                <a:spcPct val="100000"/>
+              </a:lnSpc>
+              <a:spcBef>
+                <a:spcPts val="0"/>
+              </a:spcBef>
+              <a:spcAft>
+                <a:spcPts val="0"/>
+              </a:spcAft>
+              <a:buClrTx/>
+              <a:buSzTx/>
+              <a:buFontTx/>
+              <a:buNone/>
+              <a:tabLst/>
+              <a:defRPr/>
+            </a:pPr>
+            <a:endParaRPr lang="en-GB" dirty="0"/>
+          </a:p>
+        </p:txBody>
+      </p:sp>
+    </p:spTree>
+    <p:extLst>
+      <p:ext uri="{BB962C8B-B14F-4D97-AF65-F5344CB8AC3E}">
+        <p14:creationId xmlns:p14="http://schemas.microsoft.com/office/powerpoint/2010/main" val="1525710707"/>
+      </p:ext>
+    </p:extLst>
+  </p:cSld>
+  <p:clrMapOvr>
+    <a:masterClrMapping/>
+  </p:clrMapOvr>
+</p:notes>
+</file>
+
+<file path=ppt/notesSlides/notesSlide7.xml><?xml version="1.0" encoding="utf-8"?>
+<p:notes xmlns:a="http://schemas.openxmlformats.org/drawingml/2006/main" xmlns:r="http://schemas.openxmlformats.org/officeDocument/2006/relationships" xmlns:p="http://schemas.openxmlformats.org/presentationml/2006/main">
+  <p:cSld>
+    <p:spTree>
+      <p:nvGrpSpPr>
+        <p:cNvPr id="1" name=""/>
+        <p:cNvGrpSpPr/>
+        <p:nvPr/>
+      </p:nvGrpSpPr>
+      <p:grpSpPr>
+        <a:xfrm>
+          <a:off x="0" y="0"/>
+          <a:ext cx="0" cy="0"/>
+          <a:chOff x="0" y="0"/>
+          <a:chExt cx="0" cy="0"/>
+        </a:xfrm>
+      </p:grpSpPr>
+      <p:sp>
+        <p:nvSpPr>
+          <p:cNvPr id="2" name="Slide Image Placeholder 1"/>
+          <p:cNvSpPr>
+            <a:spLocks noGrp="1" noRot="1" noChangeAspect="1"/>
+          </p:cNvSpPr>
+          <p:nvPr>
+            <p:ph type="sldImg"/>
+          </p:nvPr>
+        </p:nvSpPr>
+        <p:spPr>
+          <a:xfrm>
+            <a:off x="4064000" y="731838"/>
+            <a:ext cx="4876800" cy="3657600"/>
+          </a:xfrm>
+        </p:spPr>
+      </p:sp>
+      <p:sp>
+        <p:nvSpPr>
+          <p:cNvPr id="3" name="Notes Placeholder 2"/>
+          <p:cNvSpPr>
+            <a:spLocks noGrp="1"/>
+          </p:cNvSpPr>
+          <p:nvPr>
+            <p:ph type="body" idx="1"/>
+          </p:nvPr>
+        </p:nvSpPr>
+        <p:spPr/>
+        <p:txBody>
+          <a:bodyPr/>
+          <a:lstStyle/>
+          <a:p>
+            <a:pPr marL="0" marR="0" lvl="0" indent="0" algn="l" defTabSz="457200" eaLnBrk="1" fontAlgn="auto" latinLnBrk="0" hangingPunct="1">
+              <a:lnSpc>
+                <a:spcPct val="100000"/>
+              </a:lnSpc>
+              <a:spcBef>
+                <a:spcPts val="0"/>
+              </a:spcBef>
+              <a:spcAft>
+                <a:spcPts val="0"/>
+              </a:spcAft>
+              <a:buClrTx/>
+              <a:buSzTx/>
+              <a:buFontTx/>
+              <a:buNone/>
+              <a:tabLst/>
+              <a:defRPr/>
+            </a:pPr>
+            <a:endParaRPr lang="en-US" dirty="0"/>
+          </a:p>
+          <a:p>
+            <a:pPr marL="228600" marR="0" lvl="0" indent="-228600" algn="l" defTabSz="457200" eaLnBrk="1" fontAlgn="auto" latinLnBrk="0" hangingPunct="1">
+              <a:lnSpc>
+                <a:spcPct val="100000"/>
+              </a:lnSpc>
+              <a:spcBef>
+                <a:spcPts val="0"/>
+              </a:spcBef>
+              <a:spcAft>
+                <a:spcPts val="0"/>
+              </a:spcAft>
+              <a:buClrTx/>
+              <a:buSzTx/>
+              <a:buFontTx/>
+              <a:buAutoNum type="arabicPeriod"/>
+              <a:tabLst/>
+              <a:defRPr/>
+            </a:pPr>
+            <a:endParaRPr lang="en-GB" dirty="0"/>
+          </a:p>
+          <a:p>
+            <a:endParaRPr lang="en-GB" dirty="0"/>
+          </a:p>
+        </p:txBody>
+      </p:sp>
+    </p:spTree>
+    <p:extLst>
+      <p:ext uri="{BB962C8B-B14F-4D97-AF65-F5344CB8AC3E}">
+        <p14:creationId xmlns:p14="http://schemas.microsoft.com/office/powerpoint/2010/main" val="833923706"/>
+      </p:ext>
+    </p:extLst>
+  </p:cSld>
+  <p:clrMapOvr>
+    <a:masterClrMapping/>
+  </p:clrMapOvr>
+</p:notes>
+</file>
+
+<file path=ppt/notesSlides/notesSlide8.xml><?xml version="1.0" encoding="utf-8"?>
+<p:notes xmlns:a="http://schemas.openxmlformats.org/drawingml/2006/main" xmlns:r="http://schemas.openxmlformats.org/officeDocument/2006/relationships" xmlns:p="http://schemas.openxmlformats.org/presentationml/2006/main">
+  <p:cSld>
+    <p:spTree>
+      <p:nvGrpSpPr>
+        <p:cNvPr id="1" name=""/>
+        <p:cNvGrpSpPr/>
+        <p:nvPr/>
+      </p:nvGrpSpPr>
+      <p:grpSpPr>
+        <a:xfrm>
+          <a:off x="0" y="0"/>
+          <a:ext cx="0" cy="0"/>
+          <a:chOff x="0" y="0"/>
+          <a:chExt cx="0" cy="0"/>
+        </a:xfrm>
+      </p:grpSpPr>
+      <p:sp>
+        <p:nvSpPr>
+          <p:cNvPr id="2" name="Slide Image Placeholder 1"/>
+          <p:cNvSpPr>
+            <a:spLocks noGrp="1" noRot="1" noChangeAspect="1"/>
+          </p:cNvSpPr>
+          <p:nvPr>
+            <p:ph type="sldImg"/>
+          </p:nvPr>
+        </p:nvSpPr>
+        <p:spPr>
+          <a:xfrm>
+            <a:off x="4064000" y="731838"/>
+            <a:ext cx="4876800" cy="3657600"/>
+          </a:xfrm>
+        </p:spPr>
+      </p:sp>
+      <p:sp>
+        <p:nvSpPr>
+          <p:cNvPr id="3" name="Notes Placeholder 2"/>
+          <p:cNvSpPr>
+            <a:spLocks noGrp="1"/>
+          </p:cNvSpPr>
+          <p:nvPr>
+            <p:ph type="body" idx="1"/>
+          </p:nvPr>
+        </p:nvSpPr>
+        <p:spPr/>
+        <p:txBody>
+          <a:bodyPr/>
+          <a:lstStyle/>
+          <a:p>
+            <a:endParaRPr lang="en-GB" dirty="0"/>
+          </a:p>
+        </p:txBody>
+      </p:sp>
+    </p:spTree>
+    <p:extLst>
+      <p:ext uri="{BB962C8B-B14F-4D97-AF65-F5344CB8AC3E}">
+        <p14:creationId xmlns:p14="http://schemas.microsoft.com/office/powerpoint/2010/main" val="2050995417"/>
+      </p:ext>
+    </p:extLst>
   </p:cSld>
   <p:clrMapOvr>
     <a:masterClrMapping/>
@@ -1326,7 +1852,7 @@
             <a:spLocks noGrp="1" noChangeArrowheads="1"/>
             <a:extLst>
               <a:ext uri="smNativeData">
-                <pr:smNativeData xmlns:pr="smNativeData" xmlns:p14="http://schemas.microsoft.com/office/powerpoint/2010/main" xmlns="" val="SMDATA_13_eIVQYBMAAAAlAAAAZAAAAA0AAAAAAAAAAAAAAAAAAAAAAAAAAAAAAAAAAAAAAAAAAAEAAABQAAAAAAAAAAAA4D8AAAAAAADgPwAAAAAAAOA/AAAAAAAA4D8AAAAAAADgPwAAAAAAAOA/AAAAAAAA4D8AAAAAAADgPwAAAAAAAOA/AAAAAAAA4D8CAAAAjAAAAAAAAAAAAAAA////AP///wgAAAAAAAAAAAAAAAAAAAAAAAAAAAAAAAAAAAAAeAAAAAEAAABAAAAAAAAAAAAAAABaAAAAAAAAAAAAAAAAAAAAAAAAAAAAAAAAAAAAAAAAAAAAAAAAAAAAAAAAAAAAAAAAAAAAAAAAAAAAAAAAAAAAAAAAAAAAAAAAAAAAFAAAADwAAAAAAAAAAAAAAAAAAAAPAAAAAQAAACMAAAAjAAAAIwAAAB4AAAAAAAAAZAAAAGQAAAAAAAAAZAAAAGQAAAAVAAAAYAAAAAAAAAAAAAAADwAAACADAAAAAAAAAAAAAAEAAACgMgAAVgcAAKr4//8BAAAAf39/AAEAAABkAAAAAAAAABQAAABAHwAAAAAAACYAAAAAAAAAwOD//wAAAAAmAAAAZAAAABYAAABMAAAAAAAAAAAAAAAEAAAAAAAAAAEAAADu7OEKAAAAACgAAAAoAAAAZAAAAGQAAAAAAAAAzMzMAAAAAABQAAAAUAAAAGQAAABkAAAAAAAAABcAAAAUAAAAAAAAAAAAAAD/fwAA/38AAAAAAAAJAAAABAAAAEEAQQAMAAAAEAAAAAAAAAAAAAAAAAAAAAAAAAAeAAAAaAAAAAAAAAAAAAAAAAAAAAAAAAAAAAAAECcAABAnAAAAAAAAAAAAAAAAAAAAAAAAAAAAAAAAAAAAAAAAAAAAABQAAAAAAAAAwMD/AAAAAABkAAAAMgAAAAAAAABkAAAAAAAAAH9/fwAKAAAAHwAAAFQAAAD///8AAAAAAQAAAAAAAAAAAAAAAAAAAAAAAAAAAAAAAAAAAAAAAAAAAAAAAH9/fwAAAAADzMzMAMDA/wB/f38AAAAAAAAAAAAAAAAAAAAAAAAAAAAhAAAAGAAAABQAAADIBQAAoCMAAMg9AADmJQAAEAAAACYAAAAIAAAAPZAAAAAAAAA="/>
+                <pr:smNativeData xmlns="" xmlns:p14="http://schemas.microsoft.com/office/powerpoint/2010/main" xmlns:pr="smNativeData" val="SMDATA_13_eIVQYBMAAAAlAAAAZAAAAA0AAAAAAAAAAAAAAAAAAAAAAAAAAAAAAAAAAAAAAAAAAAEAAABQAAAAAAAAAAAA4D8AAAAAAADgPwAAAAAAAOA/AAAAAAAA4D8AAAAAAADgPwAAAAAAAOA/AAAAAAAA4D8AAAAAAADgPwAAAAAAAOA/AAAAAAAA4D8CAAAAjAAAAAAAAAAAAAAA////AP///wgAAAAAAAAAAAAAAAAAAAAAAAAAAAAAAAAAAAAAeAAAAAEAAABAAAAAAAAAAAAAAABaAAAAAAAAAAAAAAAAAAAAAAAAAAAAAAAAAAAAAAAAAAAAAAAAAAAAAAAAAAAAAAAAAAAAAAAAAAAAAAAAAAAAAAAAAAAAAAAAAAAAFAAAADwAAAAAAAAAAAAAAAAAAAAPAAAAAQAAACMAAAAjAAAAIwAAAB4AAAAAAAAAZAAAAGQAAAAAAAAAZAAAAGQAAAAVAAAAYAAAAAAAAAAAAAAADwAAACADAAAAAAAAAAAAAAEAAACgMgAAVgcAAKr4//8BAAAAf39/AAEAAABkAAAAAAAAABQAAABAHwAAAAAAACYAAAAAAAAAwOD//wAAAAAmAAAAZAAAABYAAABMAAAAAAAAAAAAAAAEAAAAAAAAAAEAAADu7OEKAAAAACgAAAAoAAAAZAAAAGQAAAAAAAAAzMzMAAAAAABQAAAAUAAAAGQAAABkAAAAAAAAABcAAAAUAAAAAAAAAAAAAAD/fwAA/38AAAAAAAAJAAAABAAAAEEAQQAMAAAAEAAAAAAAAAAAAAAAAAAAAAAAAAAeAAAAaAAAAAAAAAAAAAAAAAAAAAAAAAAAAAAAECcAABAnAAAAAAAAAAAAAAAAAAAAAAAAAAAAAAAAAAAAAAAAAAAAABQAAAAAAAAAwMD/AAAAAABkAAAAMgAAAAAAAABkAAAAAAAAAH9/fwAKAAAAHwAAAFQAAAD///8AAAAAAQAAAAAAAAAAAAAAAAAAAAAAAAAAAAAAAAAAAAAAAAAAAAAAAH9/fwAAAAADzMzMAMDA/wB/f38AAAAAAAAAAAAAAAAAAAAAAAAAAAAhAAAAGAAAABQAAADIBQAAoCMAAMg9AADmJQAAEAAAACYAAAAIAAAAPZAAAAAAAAA="/>
               </a:ext>
             </a:extLst>
           </p:cNvSpPr>
@@ -1399,7 +1925,7 @@
             <a:spLocks noGrp="1" noChangeArrowheads="1"/>
             <a:extLst>
               <a:ext uri="smNativeData">
-                <pr:smNativeData xmlns:pr="smNativeData" xmlns:p14="http://schemas.microsoft.com/office/powerpoint/2010/main" xmlns="" val="SMDATA_13_eIVQYBMAAAAlAAAAZAAAAA0AAAAAAAAAAAAAAAAAAAAAAAAAAAAAAAAAAAAAAAAAAAEAAABQAAAAAAAAAAAA4D8AAAAAAADgPwAAAAAAAOA/AAAAAAAA4D8AAAAAAADgPwAAAAAAAOA/AAAAAAAA4D8AAAAAAADgPwAAAAAAAOA/AAAAAAAA4D8CAAAAjAAAAAAAAAAAAAAA////AP///wgAAAAAAAAAAAAAAAAAAAAAAAAAAAAAAAAAAAAAeAAAAAEAAABAAAAAAAAAAAAAAABaAAAAAAAAAAAAAAAAAAAAAAAAAAAAAAAAAAAAAAAAAAAAAAAAAAAAAAAAAAAAAAAAAAAAAAAAAAAAAAAAAAAAAAAAAAAAAAAAAAAAFAAAADwAAAAAAAAAAAAAAAAAAAAPAAAAAQAAACMAAAAjAAAAIwAAAB4AAAAAAAAAZAAAAGQAAAAAAAAAZAAAAGQAAAAVAAAAYAAAAAAAAAAAAAAADwAAACADAAAAAAAAAAAAAAEAAACgMgAAVgcAAKr4//8BAAAAf39/AAEAAABkAAAAAAAAABQAAABAHwAAAAAAACYAAAAAAAAAwOD//wAAAAAmAAAAZAAAABYAAABMAAAAAAAAAAAAAAAEAAAAAAAAAAEAAADu7OEKAAAAACgAAAAoAAAAZAAAAGQAAAAAAAAAzMzMAAAAAABQAAAAUAAAAGQAAABkAAAAAAAAABcAAAAUAAAAAAAAAAAAAAD/fwAA/38AAAAAAAAJAAAABAAAADgAQQAMAAAAEAAAAAAAAAAAAAAAAAAAAAAAAAAeAAAAaAAAAAAAAAAAAAAAAAAAAAAAAAAAAAAAECcAABAnAAAAAAAAAAAAAAAAAAAAAAAAAAAAAAAAAAAAAAAAAAAAABQAAAAAAAAAwMD/AAAAAABkAAAAMgAAAAAAAABkAAAAAAAAAH9/fwAKAAAAHwAAAFQAAAD///8AAAAAAQAAAAAAAAAAAAAAAAAAAAAAAAAAAAAAAAAAAAAAAAAAAAAAAH9/fwAAAAADzMzMAMDA/wB/f38AAAAAAAAAAAAAAAAAAAAAAAAAAAAhAAAAGAAAABQAAACSBQAAmBwAAERIAABGIgAAEAAAACYAAAAIAAAAAYAAAAAAAAA="/>
+                <pr:smNativeData xmlns="" xmlns:p14="http://schemas.microsoft.com/office/powerpoint/2010/main" xmlns:pr="smNativeData" val="SMDATA_13_eIVQYBMAAAAlAAAAZAAAAA0AAAAAAAAAAAAAAAAAAAAAAAAAAAAAAAAAAAAAAAAAAAEAAABQAAAAAAAAAAAA4D8AAAAAAADgPwAAAAAAAOA/AAAAAAAA4D8AAAAAAADgPwAAAAAAAOA/AAAAAAAA4D8AAAAAAADgPwAAAAAAAOA/AAAAAAAA4D8CAAAAjAAAAAAAAAAAAAAA////AP///wgAAAAAAAAAAAAAAAAAAAAAAAAAAAAAAAAAAAAAeAAAAAEAAABAAAAAAAAAAAAAAABaAAAAAAAAAAAAAAAAAAAAAAAAAAAAAAAAAAAAAAAAAAAAAAAAAAAAAAAAAAAAAAAAAAAAAAAAAAAAAAAAAAAAAAAAAAAAAAAAAAAAFAAAADwAAAAAAAAAAAAAAAAAAAAPAAAAAQAAACMAAAAjAAAAIwAAAB4AAAAAAAAAZAAAAGQAAAAAAAAAZAAAAGQAAAAVAAAAYAAAAAAAAAAAAAAADwAAACADAAAAAAAAAAAAAAEAAACgMgAAVgcAAKr4//8BAAAAf39/AAEAAABkAAAAAAAAABQAAABAHwAAAAAAACYAAAAAAAAAwOD//wAAAAAmAAAAZAAAABYAAABMAAAAAAAAAAAAAAAEAAAAAAAAAAEAAADu7OEKAAAAACgAAAAoAAAAZAAAAGQAAAAAAAAAzMzMAAAAAABQAAAAUAAAAGQAAABkAAAAAAAAABcAAAAUAAAAAAAAAAAAAAD/fwAA/38AAAAAAAAJAAAABAAAADgAQQAMAAAAEAAAAAAAAAAAAAAAAAAAAAAAAAAeAAAAaAAAAAAAAAAAAAAAAAAAAAAAAAAAAAAAECcAABAnAAAAAAAAAAAAAAAAAAAAAAAAAAAAAAAAAAAAAAAAAAAAABQAAAAAAAAAwMD/AAAAAABkAAAAMgAAAAAAAABkAAAAAAAAAH9/fwAKAAAAHwAAAFQAAAD///8AAAAAAQAAAAAAAAAAAAAAAAAAAAAAAAAAAAAAAAAAAAAAAAAAAAAAAH9/fwAAAAADzMzMAMDA/wB/f38AAAAAAAAAAAAAAAAAAAAAAAAAAAAhAAAAGAAAABQAAACSBQAAmBwAAERIAABGIgAAEAAAACYAAAAIAAAAAYAAAAAAAAA="/>
               </a:ext>
             </a:extLst>
           </p:cNvSpPr>
@@ -1468,7 +1994,7 @@
             <a:spLocks noGrp="1" noChangeArrowheads="1"/>
             <a:extLst>
               <a:ext uri="smNativeData">
-                <pr:smNativeData xmlns:pr="smNativeData" xmlns:p14="http://schemas.microsoft.com/office/powerpoint/2010/main" xmlns="" val="SMDATA_13_eIVQYBMAAAAlAAAAZAAAAA0AAAAAAAAAAAAAAAAAAAAAAAAAAAAAAAAAAAAAAAAAAAEAAABQAAAAAAAAAAAA4D8AAAAAAADgPwAAAAAAAOA/AAAAAAAA4D8AAAAAAADgPwAAAAAAAOA/AAAAAAAA4D8AAAAAAADgPwAAAAAAAOA/AAAAAAAA4D8CAAAAjAAAAAAAAAAAAAAA////AP///wgAAAAAAAAAAAAAAAAAAAAAAAAAAAAAAAAAAAAAeAAAAAEAAABAAAAAAAAAAAAAAABaAAAAAAAAAAAAAAAAAAAAAAAAAAAAAAAAAAAAAAAAAAAAAAAAAAAAAAAAAAAAAAAAAAAAAAAAAAAAAAAAAAAAAAAAAAAAAAAAAAAAFAAAADwAAAAAAAAAAAAAAAAAAAAPAAAAAQAAACMAAAAjAAAAIwAAAB4AAAAAAAAAZAAAAGQAAAAAAAAAZAAAAGQAAAAVAAAAYAAAAAAAAAAAAAAADwAAACADAAAAAAAAAAAAAAEAAACgMgAAVgcAAKr4//8BAAAAf39/AAEAAABkAAAAAAAAABQAAABAHwAAAAAAACYAAAAAAAAAwOD//wAAAAAmAAAAZAAAABYAAABMAAAAAAAAAAAAAAAEAAAAAAAAAAEAAADu7OEKAAAAACgAAAAoAAAAZAAAAGQAAAAAAAAAzMzMAAAAAABQAAAAUAAAAGQAAABkAAAAAAAAABcAAAAUAAAAAAAAAAAAAAD/fwAA/38AAAAAAAAJAAAABAAAAAAAAAAMAAAAEAAAAAAAAAAAAAAAAAAAAAAAAAAeAAAAaAAAAAAAAAAAAAAAAAAAAAAAAAAAAAAAECcAABAnAAAAAAAAAAAAAAAAAAAAAAAAAAAAAAAAAAAAAAAAAAAAABQAAAAAAAAAwMD/AAAAAABkAAAAMgAAAAAAAABkAAAAAAAAAH9/fwAKAAAAHwAAAFQAAAD///8AAAAAAQAAAAAAAAAAAAAAAAAAAAAAAAAAAAAAAAAAAAAAAAAAAAAAAH9/fwAAAAADzMzMAMDA/wB/f38AAAAAAAAAAAAAAAAAAAAAAAAAAAAhAAAAGAAAABQAAADIBQAAyBkAAGg4AACZGwAAEAAAACYAAAAIAAAAPZAAAAAAAAA="/>
+                <pr:smNativeData xmlns="" xmlns:p14="http://schemas.microsoft.com/office/powerpoint/2010/main" xmlns:pr="smNativeData" val="SMDATA_13_eIVQYBMAAAAlAAAAZAAAAA0AAAAAAAAAAAAAAAAAAAAAAAAAAAAAAAAAAAAAAAAAAAEAAABQAAAAAAAAAAAA4D8AAAAAAADgPwAAAAAAAOA/AAAAAAAA4D8AAAAAAADgPwAAAAAAAOA/AAAAAAAA4D8AAAAAAADgPwAAAAAAAOA/AAAAAAAA4D8CAAAAjAAAAAAAAAAAAAAA////AP///wgAAAAAAAAAAAAAAAAAAAAAAAAAAAAAAAAAAAAAeAAAAAEAAABAAAAAAAAAAAAAAABaAAAAAAAAAAAAAAAAAAAAAAAAAAAAAAAAAAAAAAAAAAAAAAAAAAAAAAAAAAAAAAAAAAAAAAAAAAAAAAAAAAAAAAAAAAAAAAAAAAAAFAAAADwAAAAAAAAAAAAAAAAAAAAPAAAAAQAAACMAAAAjAAAAIwAAAB4AAAAAAAAAZAAAAGQAAAAAAAAAZAAAAGQAAAAVAAAAYAAAAAAAAAAAAAAADwAAACADAAAAAAAAAAAAAAEAAACgMgAAVgcAAKr4//8BAAAAf39/AAEAAABkAAAAAAAAABQAAABAHwAAAAAAACYAAAAAAAAAwOD//wAAAAAmAAAAZAAAABYAAABMAAAAAAAAAAAAAAAEAAAAAAAAAAEAAADu7OEKAAAAACgAAAAoAAAAZAAAAGQAAAAAAAAAzMzMAAAAAABQAAAAUAAAAGQAAABkAAAAAAAAABcAAAAUAAAAAAAAAAAAAAD/fwAA/38AAAAAAAAJAAAABAAAAAAAAAAMAAAAEAAAAAAAAAAAAAAAAAAAAAAAAAAeAAAAaAAAAAAAAAAAAAAAAAAAAAAAAAAAAAAAECcAABAnAAAAAAAAAAAAAAAAAAAAAAAAAAAAAAAAAAAAAAAAAAAAABQAAAAAAAAAwMD/AAAAAABkAAAAMgAAAAAAAABkAAAAAAAAAH9/fwAKAAAAHwAAAFQAAAD///8AAAAAAQAAAAAAAAAAAAAAAAAAAAAAAAAAAAAAAAAAAAAAAAAAAAAAAH9/fwAAAAADzMzMAMDA/wB/f38AAAAAAAAAAAAAAAAAAAAAAAAAAAAhAAAAGAAAABQAAADIBQAAyBkAAGg4AACZGwAAEAAAACYAAAAIAAAAPZAAAAAAAAA="/>
               </a:ext>
             </a:extLst>
           </p:cNvSpPr>
@@ -1566,7 +2092,7 @@
             <a:spLocks noGrp="1" noChangeArrowheads="1"/>
             <a:extLst>
               <a:ext uri="smNativeData">
-                <pr:smNativeData xmlns:pr="smNativeData" xmlns:p14="http://schemas.microsoft.com/office/powerpoint/2010/main" xmlns="" val="SMDATA_13_eIVQYBMAAAAlAAAAZAAAAA0AAAAAAAAAAAAAAAAAAAAAAAAAAAAAAAAAAAAAAAAAAAEAAABQAAAAAAAAAAAA4D8AAAAAAADgPwAAAAAAAOA/AAAAAAAA4D8AAAAAAADgPwAAAAAAAOA/AAAAAAAA4D8AAAAAAADgPwAAAAAAAOA/AAAAAAAA4D8CAAAAjAAAAAAAAAAAAAAA////AP///wgAAAAAAAAAAAAAAAAAAAAAAAAAAAAAAAAAAAAAeAAAAAEAAABAAAAAAAAAAAAAAABaAAAAAAAAAAAAAAAAAAAAAAAAAAAAAAAAAAAAAAAAAAAAAAAAAAAAAAAAAAAAAAAAAAAAAAAAAAAAAAAAAAAAAAAAAAAAAAAAAAAAFAAAADwAAAAAAAAAAAAAAAAAAAAPAAAAAQAAACMAAAAjAAAAIwAAAB4AAAAAAAAAZAAAAGQAAAAAAAAAZAAAAGQAAAAVAAAAYAAAAAAAAAAAAAAADwAAACADAAAAAAAAAAAAAAEAAACgMgAAVgcAAKr4//8BAAAAf39/AAEAAABkAAAAAAAAABQAAABAHwAAAAAAACYAAAAAAAAAwOD//wAAAAAmAAAAZAAAABYAAABMAAAAAAAAAAAAAAAEAAAAAAAAAAEAAADu7OEKAAAAACgAAAAoAAAAZAAAAGQAAAAAAAAAzMzMAAAAAABQAAAAUAAAAGQAAABkAAAAAAAAABcAAAAUAAAAAAAAAAAAAAD/fwAA/38AAAAAAAAJAAAABAAAAAAAAAAMAAAAEAAAAAAAAAAAAAAAAAAAAAAAAAAeAAAAaAAAAAAAAAAAAAAAAAAAAAAAAAAAAAAAECcAABAnAAAAAAAAAAAAAAAAAAAAAAAAAAAAAAAAAAAAAAAAAAAAABQAAAAAAAAAwMD/AAAAAABkAAAAMgAAAAAAAABkAAAAAAAAAH9/fwAKAAAAHwAAAFQAAAD///8AAAAAAQAAAAAAAAAAAAAAAAAAAAAAAAAAAAAAAAAAAAAAAAAAAAAAAH9/fwAAAAADzMzMAMDA/wB/f38AAAAAAAAAAAAAAAAAAAAAAAAAAAAhAAAAGAAAABQAAADIBQAAiQsAAHpIAACzDwAAEAAAACYAAAAIAAAAPZAAAAAAAAA="/>
+                <pr:smNativeData xmlns="" xmlns:p14="http://schemas.microsoft.com/office/powerpoint/2010/main" xmlns:pr="smNativeData" val="SMDATA_13_eIVQYBMAAAAlAAAAZAAAAA0AAAAAAAAAAAAAAAAAAAAAAAAAAAAAAAAAAAAAAAAAAAEAAABQAAAAAAAAAAAA4D8AAAAAAADgPwAAAAAAAOA/AAAAAAAA4D8AAAAAAADgPwAAAAAAAOA/AAAAAAAA4D8AAAAAAADgPwAAAAAAAOA/AAAAAAAA4D8CAAAAjAAAAAAAAAAAAAAA////AP///wgAAAAAAAAAAAAAAAAAAAAAAAAAAAAAAAAAAAAAeAAAAAEAAABAAAAAAAAAAAAAAABaAAAAAAAAAAAAAAAAAAAAAAAAAAAAAAAAAAAAAAAAAAAAAAAAAAAAAAAAAAAAAAAAAAAAAAAAAAAAAAAAAAAAAAAAAAAAAAAAAAAAFAAAADwAAAAAAAAAAAAAAAAAAAAPAAAAAQAAACMAAAAjAAAAIwAAAB4AAAAAAAAAZAAAAGQAAAAAAAAAZAAAAGQAAAAVAAAAYAAAAAAAAAAAAAAADwAAACADAAAAAAAAAAAAAAEAAACgMgAAVgcAAKr4//8BAAAAf39/AAEAAABkAAAAAAAAABQAAABAHwAAAAAAACYAAAAAAAAAwOD//wAAAAAmAAAAZAAAABYAAABMAAAAAAAAAAAAAAAEAAAAAAAAAAEAAADu7OEKAAAAACgAAAAoAAAAZAAAAGQAAAAAAAAAzMzMAAAAAABQAAAAUAAAAGQAAABkAAAAAAAAABcAAAAUAAAAAAAAAAAAAAD/fwAA/38AAAAAAAAJAAAABAAAAAAAAAAMAAAAEAAAAAAAAAAAAAAAAAAAAAAAAAAeAAAAaAAAAAAAAAAAAAAAAAAAAAAAAAAAAAAAECcAABAnAAAAAAAAAAAAAAAAAAAAAAAAAAAAAAAAAAAAAAAAAAAAABQAAAAAAAAAwMD/AAAAAABkAAAAMgAAAAAAAABkAAAAAAAAAH9/fwAKAAAAHwAAAFQAAAD///8AAAAAAQAAAAAAAAAAAAAAAAAAAAAAAAAAAAAAAAAAAAAAAAAAAAAAAH9/fwAAAAADzMzMAMDA/wB/f38AAAAAAAAAAAAAAAAAAAAAAAAAAAAhAAAAGAAAABQAAADIBQAAiQsAAHpIAACzDwAAEAAAACYAAAAIAAAAPZAAAAAAAAA="/>
               </a:ext>
             </a:extLst>
           </p:cNvSpPr>
@@ -1637,7 +2163,7 @@
             <a:spLocks noGrp="1" noChangeArrowheads="1"/>
             <a:extLst>
               <a:ext uri="smNativeData">
-                <pr:smNativeData xmlns:pr="smNativeData" xmlns:p14="http://schemas.microsoft.com/office/powerpoint/2010/main" xmlns="" val="SMDATA_13_eIVQYBMAAAAlAAAAZAAAAA0AAAAAAAAAAAAAAAAAAAAAAAAAAAAAAAAAAAAAAAAAAAEAAABQAAAAAAAAAAAA4D8AAAAAAADgPwAAAAAAAOA/AAAAAAAA4D8AAAAAAADgPwAAAAAAAOA/AAAAAAAA4D8AAAAAAADgPwAAAAAAAOA/AAAAAAAA4D8CAAAAjAAAAAAAAAAAAAAA////AP///wgAAAAAAAAAAAAAAAAAAAAAAAAAAAAAAAAAAAAAeAAAAAEAAABAAAAAAAAAAAAAAABaAAAAAAAAAAAAAAAAAAAAAAAAAAAAAAAAAAAAAAAAAAAAAAAAAAAAAAAAAAAAAAAAAAAAAAAAAAAAAAAAAAAAAAAAAAAAAAAAAAAAFAAAADwAAAAAAAAAAAAAAAAAAAAPAAAAAQAAACMAAAAjAAAAIwAAAB4AAAAAAAAAZAAAAGQAAAAAAAAAZAAAAGQAAAAVAAAAYAAAAAAAAAAAAAAADwAAACADAAAAAAAAAAAAAAEAAACgMgAAVgcAAKr4//8BAAAAf39/AAEAAABkAAAAAAAAABQAAABAHwAAAAAAACYAAAAAAAAAwOD//wAAAAAmAAAAZAAAABYAAABMAAAAAAAAAAAAAAAEAAAAAAAAAAEAAADu7OEKAAAAACgAAAAoAAAAZAAAAGQAAAAAAAAAzMzMAAAAAABQAAAAUAAAAGQAAABkAAAAAAAAABcAAAAUAAAAAAAAAAAAAAD/fwAA/38AAAAAAAAJAAAABAAAAAAAAAAMAAAAEAAAAAAAAAAAAAAAAAAAAAAAAAAeAAAAaAAAAAAAAAAAAAAAAAAAAAAAAAAAAAAAECcAABAnAAAAAAAAAAAAAAAAAAAAAAAAAAAAAAAAAAAAAAAAAAAAABQAAAAAAAAAwMD/AAAAAABkAAAAMgAAAAAAAABkAAAAAAAAAH9/fwAKAAAAHwAAAFQAAAD///8AAAAAAQAAAAAAAAAAAAAAAAAAAAAAAAAAAAAAAAAAAAAAAAAAAAAAAH9/fwAAAAADzMzMAMDA/wB/f38AAAAAAAAAAAAAAAAAAAAAAAAAAAAhAAAAGAAAABQAAADIBQAAwBIAAHpIAAAGFQAAEAAAACYAAAAIAAAAPZAAAAAAAAA="/>
+                <pr:smNativeData xmlns="" xmlns:p14="http://schemas.microsoft.com/office/powerpoint/2010/main" xmlns:pr="smNativeData" val="SMDATA_13_eIVQYBMAAAAlAAAAZAAAAA0AAAAAAAAAAAAAAAAAAAAAAAAAAAAAAAAAAAAAAAAAAAEAAABQAAAAAAAAAAAA4D8AAAAAAADgPwAAAAAAAOA/AAAAAAAA4D8AAAAAAADgPwAAAAAAAOA/AAAAAAAA4D8AAAAAAADgPwAAAAAAAOA/AAAAAAAA4D8CAAAAjAAAAAAAAAAAAAAA////AP///wgAAAAAAAAAAAAAAAAAAAAAAAAAAAAAAAAAAAAAeAAAAAEAAABAAAAAAAAAAAAAAABaAAAAAAAAAAAAAAAAAAAAAAAAAAAAAAAAAAAAAAAAAAAAAAAAAAAAAAAAAAAAAAAAAAAAAAAAAAAAAAAAAAAAAAAAAAAAAAAAAAAAFAAAADwAAAAAAAAAAAAAAAAAAAAPAAAAAQAAACMAAAAjAAAAIwAAAB4AAAAAAAAAZAAAAGQAAAAAAAAAZAAAAGQAAAAVAAAAYAAAAAAAAAAAAAAADwAAACADAAAAAAAAAAAAAAEAAACgMgAAVgcAAKr4//8BAAAAf39/AAEAAABkAAAAAAAAABQAAABAHwAAAAAAACYAAAAAAAAAwOD//wAAAAAmAAAAZAAAABYAAABMAAAAAAAAAAAAAAAEAAAAAAAAAAEAAADu7OEKAAAAACgAAAAoAAAAZAAAAGQAAAAAAAAAzMzMAAAAAABQAAAAUAAAAGQAAABkAAAAAAAAABcAAAAUAAAAAAAAAAAAAAD/fwAA/38AAAAAAAAJAAAABAAAAAAAAAAMAAAAEAAAAAAAAAAAAAAAAAAAAAAAAAAeAAAAaAAAAAAAAAAAAAAAAAAAAAAAAAAAAAAAECcAABAnAAAAAAAAAAAAAAAAAAAAAAAAAAAAAAAAAAAAAAAAAAAAABQAAAAAAAAAwMD/AAAAAABkAAAAMgAAAAAAAABkAAAAAAAAAH9/fwAKAAAAHwAAAFQAAAD///8AAAAAAQAAAAAAAAAAAAAAAAAAAAAAAAAAAAAAAAAAAAAAAAAAAAAAAH9/fwAAAAADzMzMAMDA/wB/f38AAAAAAAAAAAAAAAAAAAAAAAAAAAAhAAAAGAAAABQAAADIBQAAwBIAAHpIAAAGFQAAEAAAACYAAAAIAAAAPZAAAAAAAAA="/>
               </a:ext>
             </a:extLst>
           </p:cNvSpPr>
@@ -1708,7 +2234,7 @@
             <a:spLocks noGrp="1" noChangeArrowheads="1"/>
             <a:extLst>
               <a:ext uri="smNativeData">
-                <pr:smNativeData xmlns:pr="smNativeData" xmlns:p14="http://schemas.microsoft.com/office/powerpoint/2010/main" xmlns="" val="SMDATA_13_eIVQYBMAAAAlAAAAEgAAAA0AAAAAAAAAAAAAAAAAAAAAAAAAAAAAAAAAAAAAAAAAAAEAAABQAAAAAAAAAAAA4D8AAAAAAADgPwAAAAAAAOA/AAAAAAAA4D8AAAAAAADgPwAAAAAAAOA/AAAAAAAA4D8AAAAAAADgPwAAAAAAAOA/AAAAAAAA4D8CAAAAjAAAAAAAAAAAAAAA////AP///wgAAAAAAAAAAAAAAAAAAAAAAAAAAAAAAAAAAAAAeAAAAAEAAABAAAAAAAAAAAAAAABaAAAAAAAAAAAAAAAAAAAAAAAAAAAAAAAAAAAAAAAAAAAAAAAAAAAAAAAAAAAAAAAAAAAAAAAAAAAAAAAAAAAAAAAAAAAAAAAAAAAAFAAAADwAAAAAAAAAAAAAAAAAAAAPAAAAAQAAACMAAAAjAAAAIwAAAB4AAAAAAAAAZAAAAGQAAAAAAAAAZAAAAGQAAAAVAAAAYAAAAAAAAAAAAAAADwAAACADAAAAAAAAAAAAAAEAAACgMgAAVgcAAKr4//8BAAAAf39/AAEAAABkAAAAAAAAABQAAABAHwAAAAAAACYAAAAAAAAAwOD//wAAAAAmAAAAZAAAABYAAABMAAAAAAAAAAAAAAAEAAAAAAAAAAEAAADu7OEKAAAAACgAAAAoAAAAZAAAAGQAAAAAAAAAzMzMAAAAAABQAAAAUAAAAGQAAABkAAAAAAAAABcAAAAUAAAAAAAAAAAAAAD/fwAA/38AAAAAAAAJAAAABAAAAEEAQQAMAAAAEAAAAAAAAAAAAAAAAAAAAAAAAAAeAAAAaAAAAAAAAAAAAAAAAAAAAAAAAAAAAAAAECcAABAnAAAAAAAAAAAAAAAAAAAAAAAAAAAAAAAAAAAAAAAAAAAAABQAAAAAAAAAwMD/AAAAAABkAAAAMgAAAAAAAABkAAAAAAAAAH9/fwAKAAAAHwAAAFQAAAD///8AAAAAAQAAAAAAAAAAAAAAAAAAAAAAAAAAAAAAAAAAAAAAAAAAAAAAAH9/fwAAAAADzMzMAMDA/wB/f38AAAAAAAAAAAAAAAAAAAAAAAAAAAAhAAAAGAAAABQAAAAAAAAAAAAAAAAAAAAAAAAAEAAAACYAAAAIAAAAPJEAAAAAAAA="/>
+                <pr:smNativeData xmlns="" xmlns:p14="http://schemas.microsoft.com/office/powerpoint/2010/main" xmlns:pr="smNativeData" val="SMDATA_13_eIVQYBMAAAAlAAAAEgAAAA0AAAAAAAAAAAAAAAAAAAAAAAAAAAAAAAAAAAAAAAAAAAEAAABQAAAAAAAAAAAA4D8AAAAAAADgPwAAAAAAAOA/AAAAAAAA4D8AAAAAAADgPwAAAAAAAOA/AAAAAAAA4D8AAAAAAADgPwAAAAAAAOA/AAAAAAAA4D8CAAAAjAAAAAAAAAAAAAAA////AP///wgAAAAAAAAAAAAAAAAAAAAAAAAAAAAAAAAAAAAAeAAAAAEAAABAAAAAAAAAAAAAAABaAAAAAAAAAAAAAAAAAAAAAAAAAAAAAAAAAAAAAAAAAAAAAAAAAAAAAAAAAAAAAAAAAAAAAAAAAAAAAAAAAAAAAAAAAAAAAAAAAAAAFAAAADwAAAAAAAAAAAAAAAAAAAAPAAAAAQAAACMAAAAjAAAAIwAAAB4AAAAAAAAAZAAAAGQAAAAAAAAAZAAAAGQAAAAVAAAAYAAAAAAAAAAAAAAADwAAACADAAAAAAAAAAAAAAEAAACgMgAAVgcAAKr4//8BAAAAf39/AAEAAABkAAAAAAAAABQAAABAHwAAAAAAACYAAAAAAAAAwOD//wAAAAAmAAAAZAAAABYAAABMAAAAAAAAAAAAAAAEAAAAAAAAAAEAAADu7OEKAAAAACgAAAAoAAAAZAAAAGQAAAAAAAAAzMzMAAAAAABQAAAAUAAAAGQAAABkAAAAAAAAABcAAAAUAAAAAAAAAAAAAAD/fwAA/38AAAAAAAAJAAAABAAAAEEAQQAMAAAAEAAAAAAAAAAAAAAAAAAAAAAAAAAeAAAAaAAAAAAAAAAAAAAAAAAAAAAAAAAAAAAAECcAABAnAAAAAAAAAAAAAAAAAAAAAAAAAAAAAAAAAAAAAAAAAAAAABQAAAAAAAAAwMD/AAAAAABkAAAAMgAAAAAAAABkAAAAAAAAAH9/fwAKAAAAHwAAAFQAAAD///8AAAAAAQAAAAAAAAAAAAAAAAAAAAAAAAAAAAAAAAAAAAAAAAAAAAAAAH9/fwAAAAADzMzMAMDA/wB/f38AAAAAAAAAAAAAAAAAAAAAAAAAAAAhAAAAGAAAABQAAAAAAAAAAAAAAAAAAAAAAAAAEAAAACYAAAAIAAAAPJEAAAAAAAA="/>
               </a:ext>
             </a:extLst>
           </p:cNvSpPr>
@@ -1778,7 +2304,7 @@
             <a:spLocks noGrp="1" noChangeArrowheads="1"/>
             <a:extLst>
               <a:ext uri="smNativeData">
-                <pr:smNativeData xmlns:pr="smNativeData" xmlns:p14="http://schemas.microsoft.com/office/powerpoint/2010/main" xmlns="" val="SMDATA_13_eIVQYBMAAAAlAAAAZAAAAA0AAAAAAAAAAAAAAAAAAAAAAAAAAAAAAAAAAAAAAAAAAAEAAABQAAAAAAAAAAAA4D8AAAAAAADgPwAAAAAAAOA/AAAAAAAA4D8AAAAAAADgPwAAAAAAAOA/AAAAAAAA4D8AAAAAAADgPwAAAAAAAOA/AAAAAAAA4D8CAAAAjAAAAAAAAAAAAAAA////AP///wgAAAAAAAAAAAAAAAAAAAAAAAAAAAAAAAAAAAAAeAAAAAEAAABAAAAAAAAAAAAAAABaAAAAAAAAAAAAAAAAAAAAAAAAAAAAAAAAAAAAAAAAAAAAAAAAAAAAAAAAAAAAAAAAAAAAAAAAAAAAAAAAAAAAAAAAAAAAAAAAAAAAFAAAADwAAAAAAAAAAAAAAAAAAAAPAAAAAQAAACMAAAAjAAAAIwAAAB4AAAAAAAAAZAAAAGQAAAAAAAAAZAAAAGQAAAAVAAAAYAAAAAAAAAAAAAAADwAAACADAAAAAAAAAAAAAAEAAACgMgAAVgcAAKr4//8BAAAAf39/AAEAAABkAAAAAAAAABQAAABAHwAAAAAAACYAAAAAAAAAwOD//wAAAAAmAAAAZAAAABYAAABMAAAAAAAAAAAAAAAEAAAAAAAAAAEAAADu7OEKAAAAACgAAAAoAAAAZAAAAGQAAAAAAAAAzMzMAAAAAABQAAAAUAAAAGQAAABkAAAAAAAAABcAAAAUAAAAAAAAAAAAAAD/fwAA/38AAAAAAAAJAAAABAAAAAAAAAAMAAAAEAAAAAAAAAAAAAAAAAAAAAAAAAAeAAAAaAAAAAAAAAAAAAAAAAAAAAAAAAAAAAAAECcAABAnAAAAAAAAAAAAAAAAAAAAAAAAAAAAAAAAAAAAAAAAAAAAABQAAAAAAAAAwMD/AAAAAABkAAAAMgAAAAAAAABkAAAAAAAAAH9/fwAKAAAAHwAAAFQAAAD///8AAAAAAQAAAAAAAAAAAAAAAAAAAAAAAAAAAAAAAAAAAAAAAAAAAAAAAH9/fwAAAAADzMzMAMDA/wB/f38AAAAAAAAAAAAAAAAAAAAAAAAAAAAhAAAAGAAAABQAAADqAQAA4DgAAPAKAACYOgAAEAAAACYAAAAIAAAAPJAAAAAAAAA="/>
+                <pr:smNativeData xmlns="" xmlns:p14="http://schemas.microsoft.com/office/powerpoint/2010/main" xmlns:pr="smNativeData" val="SMDATA_13_eIVQYBMAAAAlAAAAZAAAAA0AAAAAAAAAAAAAAAAAAAAAAAAAAAAAAAAAAAAAAAAAAAEAAABQAAAAAAAAAAAA4D8AAAAAAADgPwAAAAAAAOA/AAAAAAAA4D8AAAAAAADgPwAAAAAAAOA/AAAAAAAA4D8AAAAAAADgPwAAAAAAAOA/AAAAAAAA4D8CAAAAjAAAAAAAAAAAAAAA////AP///wgAAAAAAAAAAAAAAAAAAAAAAAAAAAAAAAAAAAAAeAAAAAEAAABAAAAAAAAAAAAAAABaAAAAAAAAAAAAAAAAAAAAAAAAAAAAAAAAAAAAAAAAAAAAAAAAAAAAAAAAAAAAAAAAAAAAAAAAAAAAAAAAAAAAAAAAAAAAAAAAAAAAFAAAADwAAAAAAAAAAAAAAAAAAAAPAAAAAQAAACMAAAAjAAAAIwAAAB4AAAAAAAAAZAAAAGQAAAAAAAAAZAAAAGQAAAAVAAAAYAAAAAAAAAAAAAAADwAAACADAAAAAAAAAAAAAAEAAACgMgAAVgcAAKr4//8BAAAAf39/AAEAAABkAAAAAAAAABQAAABAHwAAAAAAACYAAAAAAAAAwOD//wAAAAAmAAAAZAAAABYAAABMAAAAAAAAAAAAAAAEAAAAAAAAAAEAAADu7OEKAAAAACgAAAAoAAAAZAAAAGQAAAAAAAAAzMzMAAAAAABQAAAAUAAAAGQAAABkAAAAAAAAABcAAAAUAAAAAAAAAAAAAAD/fwAA/38AAAAAAAAJAAAABAAAAAAAAAAMAAAAEAAAAAAAAAAAAAAAAAAAAAAAAAAeAAAAaAAAAAAAAAAAAAAAAAAAAAAAAAAAAAAAECcAABAnAAAAAAAAAAAAAAAAAAAAAAAAAAAAAAAAAAAAAAAAAAAAABQAAAAAAAAAwMD/AAAAAABkAAAAMgAAAAAAAABkAAAAAAAAAH9/fwAKAAAAHwAAAFQAAAD///8AAAAAAQAAAAAAAAAAAAAAAAAAAAAAAAAAAAAAAAAAAAAAAAAAAAAAAH9/fwAAAAADzMzMAMDA/wB/f38AAAAAAAAAAAAAAAAAAAAAAAAAAAAhAAAAGAAAABQAAADqAQAA4DgAAPAKAACYOgAAEAAAACYAAAAIAAAAPJAAAAAAAAA="/>
               </a:ext>
             </a:extLst>
           </p:cNvSpPr>
@@ -1843,7 +2369,7 @@
             <a:spLocks noGrp="1" noChangeArrowheads="1"/>
             <a:extLst>
               <a:ext uri="smNativeData">
-                <pr:smNativeData xmlns:pr="smNativeData" xmlns:p14="http://schemas.microsoft.com/office/powerpoint/2010/main" xmlns="" val="SMDATA_13_eIVQYBMAAAAlAAAAZAAAAA0AAAAAAAAAAAAAAAAAAAAAAAAAAAAAAAAAAAAAAAAAAAEAAABQAAAAAAAAAAAA4D8AAAAAAADgPwAAAAAAAOA/AAAAAAAA4D8AAAAAAADgPwAAAAAAAOA/AAAAAAAA4D8AAAAAAADgPwAAAAAAAOA/AAAAAAAA4D8CAAAAjAAAAAAAAAAAAAAA////AP///wgAAAAAAAAAAAAAAAAAAAAAAAAAAAAAAAAAAAAAeAAAAAEAAABAAAAAAAAAAAAAAABaAAAAAAAAAAAAAAAAAAAAAAAAAAAAAAAAAAAAAAAAAAAAAAAAAAAAAAAAAAAAAAAAAAAAAAAAAAAAAAAAAAAAAAAAAAAAAAAAAAAAFAAAADwAAAAAAAAAAAAAAAAAAAAPAAAAAQAAACMAAAAjAAAAIwAAAB4AAAAAAAAAZAAAAGQAAAAAAAAAZAAAAGQAAAAVAAAAYAAAAAAAAAAAAAAADwAAACADAAAAAAAAAAAAAAEAAACgMgAAVgcAAKr4//8BAAAAf39/AAEAAABkAAAAAAAAABQAAABAHwAAAAAAACYAAAAAAAAAwOD//wAAAAAmAAAAZAAAABYAAABMAAAAAAAAAAAAAAAEAAAAAAAAAAEAAADu7OEKAAAAACgAAAAoAAAAZAAAAGQAAAAAAAAAzMzMAAAAAABQAAAAUAAAAGQAAABkAAAAAAAAABcAAAAUAAAAAAAAAAAAAAD/fwAA/38AAAAAAAAJAAAABAAAAAAAAAAMAAAAEAAAAAAAAAAAAAAAAAAAAAAAAAAeAAAAaAAAAAAAAAAAAAAAAAAAAAAAAAAAAAAAECcAABAnAAAAAAAAAAAAAAAAAAAAAAAAAAAAAAAAAAAAAAAAAAAAABQAAAAAAAAAwMD/AAAAAABkAAAAMgAAAAAAAABkAAAAAAAAAH9/fwAKAAAAHwAAAFQAAAD///8AAAAAAQAAAAAAAAAAAAAAAAAAAAAAAAAAAAAAAAAAAAAAAAAAAAAAAH9/fwAAAAADzMzMAMDA/wB/f38AAAAAAAAAAAAAAAAAAAAAAAAAAAAhAAAAGAAAABQAAADQSAAAGDkAABZOAACYOgAAEAAAACYAAAAIAAAAPJAAAAAAAAA="/>
+                <pr:smNativeData xmlns="" xmlns:p14="http://schemas.microsoft.com/office/powerpoint/2010/main" xmlns:pr="smNativeData" val="SMDATA_13_eIVQYBMAAAAlAAAAZAAAAA0AAAAAAAAAAAAAAAAAAAAAAAAAAAAAAAAAAAAAAAAAAAEAAABQAAAAAAAAAAAA4D8AAAAAAADgPwAAAAAAAOA/AAAAAAAA4D8AAAAAAADgPwAAAAAAAOA/AAAAAAAA4D8AAAAAAADgPwAAAAAAAOA/AAAAAAAA4D8CAAAAjAAAAAAAAAAAAAAA////AP///wgAAAAAAAAAAAAAAAAAAAAAAAAAAAAAAAAAAAAAeAAAAAEAAABAAAAAAAAAAAAAAABaAAAAAAAAAAAAAAAAAAAAAAAAAAAAAAAAAAAAAAAAAAAAAAAAAAAAAAAAAAAAAAAAAAAAAAAAAAAAAAAAAAAAAAAAAAAAAAAAAAAAFAAAADwAAAAAAAAAAAAAAAAAAAAPAAAAAQAAACMAAAAjAAAAIwAAAB4AAAAAAAAAZAAAAGQAAAAAAAAAZAAAAGQAAAAVAAAAYAAAAAAAAAAAAAAADwAAACADAAAAAAAAAAAAAAEAAACgMgAAVgcAAKr4//8BAAAAf39/AAEAAABkAAAAAAAAABQAAABAHwAAAAAAACYAAAAAAAAAwOD//wAAAAAmAAAAZAAAABYAAABMAAAAAAAAAAAAAAAEAAAAAAAAAAEAAADu7OEKAAAAACgAAAAoAAAAZAAAAGQAAAAAAAAAzMzMAAAAAABQAAAAUAAAAGQAAABkAAAAAAAAABcAAAAUAAAAAAAAAAAAAAD/fwAA/38AAAAAAAAJAAAABAAAAAAAAAAMAAAAEAAAAAAAAAAAAAAAAAAAAAAAAAAeAAAAaAAAAAAAAAAAAAAAAAAAAAAAAAAAAAAAECcAABAnAAAAAAAAAAAAAAAAAAAAAAAAAAAAAAAAAAAAAAAAAAAAABQAAAAAAAAAwMD/AAAAAABkAAAAMgAAAAAAAABkAAAAAAAAAH9/fwAKAAAAHwAAAFQAAAD///8AAAAAAQAAAAAAAAAAAAAAAAAAAAAAAAAAAAAAAAAAAAAAAAAAAAAAAH9/fwAAAAADzMzMAMDA/wB/f38AAAAAAAAAAAAAAAAAAAAAAAAAAAAhAAAAGAAAABQAAADQSAAAGDkAABZOAACYOgAAEAAAACYAAAAIAAAAPJAAAAAAAAA="/>
               </a:ext>
             </a:extLst>
           </p:cNvSpPr>
@@ -1934,7 +2460,7 @@
             <a:spLocks noGrp="1" noChangeArrowheads="1"/>
             <a:extLst>
               <a:ext uri="smNativeData">
-                <pr:smNativeData xmlns:pr="smNativeData" xmlns:p14="http://schemas.microsoft.com/office/powerpoint/2010/main" xmlns="" val="SMDATA_13_eIVQYBMAAAAlAAAAZAAAAA0AAAAAAAAAAAAAAAAAAAAAAAAAAAAAAAAAAAAAAAAAAAEAAABQAAAAAAAAAAAA4D8AAAAAAADgPwAAAAAAAOA/AAAAAAAA4D8AAAAAAADgPwAAAAAAAOA/AAAAAAAA4D8AAAAAAADgPwAAAAAAAOA/AAAAAAAA4D8CAAAAjAAAAAAAAAAAAAAA////AP///wgAAAAAAAAAAAAAAAAAAAAAAAAAAAAAAAAAAAAAeAAAAAEAAABAAAAAAAAAAAAAAABaAAAAAAAAAAAAAAAAAAAAAAAAAAAAAAAAAAAAAAAAAAAAAAAAAAAAAAAAAAAAAAAAAAAAAAAAAAAAAAAAAAAAAAAAAAAAAAAAAAAAFAAAADwAAAAAAAAAAAAAAAAAAAAPAAAAAQAAACMAAAAjAAAAIwAAAB4AAAAAAAAAZAAAAGQAAAAAAAAAZAAAAGQAAAAVAAAAYAAAAAAAAAAAAAAADwAAACADAAAAAAAAAAAAAAEAAACgMgAAVgcAAKr4//8BAAAAf39/AAEAAABkAAAAAAAAABQAAABAHwAAAAAAACYAAAAAAAAAwOD//wAAAAAmAAAAZAAAABYAAABMAAAAAAAAAAAAAAAEAAAAAAAAAAEAAADu7OEKAAAAACgAAAAoAAAAZAAAAGQAAAAAAAAAzMzMAAAAAABQAAAAUAAAAGQAAABkAAAAAAAAABcAAAAUAAAAAAAAAAAAAAD/fwAA/38AAAAAAAAJAAAABAAAAEEAQQAMAAAAEAAAAAAAAAAAAAAAAAAAAAAAAAAeAAAAaAAAAAAAAAAAAAAAAAAAAAAAAAAAAAAAECcAABAnAAAAAAAAAAAAAAAAAAAAAAAAAAAAAAAAAAAAAAAAAAAAABQAAAAAAAAAwMD/AAAAAABkAAAAMgAAAAAAAABkAAAAAAAAAH9/fwAKAAAAHwAAAFQAAAD///8AAAAAAQAAAAAAAAAAAAAAAAAAAAAAAAAAAAAAAAAAAAAAAAAAAAAAAH9/fwAAAAADzMzMAMDA/wB/f38AAAAAAAAAAAAAAAAAAAAAAAAAAAAhAAAAGAAAABQAAADIBQAAiQsAAHpIAACzDwAAEAAAACYAAAAIAAAAPZAAAAAAAAA="/>
+                <pr:smNativeData xmlns="" xmlns:p14="http://schemas.microsoft.com/office/powerpoint/2010/main" xmlns:pr="smNativeData" val="SMDATA_13_eIVQYBMAAAAlAAAAZAAAAA0AAAAAAAAAAAAAAAAAAAAAAAAAAAAAAAAAAAAAAAAAAAEAAABQAAAAAAAAAAAA4D8AAAAAAADgPwAAAAAAAOA/AAAAAAAA4D8AAAAAAADgPwAAAAAAAOA/AAAAAAAA4D8AAAAAAADgPwAAAAAAAOA/AAAAAAAA4D8CAAAAjAAAAAAAAAAAAAAA////AP///wgAAAAAAAAAAAAAAAAAAAAAAAAAAAAAAAAAAAAAeAAAAAEAAABAAAAAAAAAAAAAAABaAAAAAAAAAAAAAAAAAAAAAAAAAAAAAAAAAAAAAAAAAAAAAAAAAAAAAAAAAAAAAAAAAAAAAAAAAAAAAAAAAAAAAAAAAAAAAAAAAAAAFAAAADwAAAAAAAAAAAAAAAAAAAAPAAAAAQAAACMAAAAjAAAAIwAAAB4AAAAAAAAAZAAAAGQAAAAAAAAAZAAAAGQAAAAVAAAAYAAAAAAAAAAAAAAADwAAACADAAAAAAAAAAAAAAEAAACgMgAAVgcAAKr4//8BAAAAf39/AAEAAABkAAAAAAAAABQAAABAHwAAAAAAACYAAAAAAAAAwOD//wAAAAAmAAAAZAAAABYAAABMAAAAAAAAAAAAAAAEAAAAAAAAAAEAAADu7OEKAAAAACgAAAAoAAAAZAAAAGQAAAAAAAAAzMzMAAAAAABQAAAAUAAAAGQAAABkAAAAAAAAABcAAAAUAAAAAAAAAAAAAAD/fwAA/38AAAAAAAAJAAAABAAAAEEAQQAMAAAAEAAAAAAAAAAAAAAAAAAAAAAAAAAeAAAAaAAAAAAAAAAAAAAAAAAAAAAAAAAAAAAAECcAABAnAAAAAAAAAAAAAAAAAAAAAAAAAAAAAAAAAAAAAAAAAAAAABQAAAAAAAAAwMD/AAAAAABkAAAAMgAAAAAAAABkAAAAAAAAAH9/fwAKAAAAHwAAAFQAAAD///8AAAAAAQAAAAAAAAAAAAAAAAAAAAAAAAAAAAAAAAAAAAAAAAAAAAAAAH9/fwAAAAADzMzMAMDA/wB/f38AAAAAAAAAAAAAAAAAAAAAAAAAAAAhAAAAGAAAABQAAADIBQAAiQsAAHpIAACzDwAAEAAAACYAAAAIAAAAPZAAAAAAAAA="/>
               </a:ext>
             </a:extLst>
           </p:cNvSpPr>
@@ -2005,7 +2531,7 @@
             <a:spLocks noGrp="1" noChangeArrowheads="1"/>
             <a:extLst>
               <a:ext uri="smNativeData">
-                <pr:smNativeData xmlns:pr="smNativeData" xmlns:p14="http://schemas.microsoft.com/office/powerpoint/2010/main" xmlns="" val="SMDATA_13_eIVQYBMAAAAlAAAAZAAAAA0AAAAAAAAAAAAAAAAAAAAAAAAAAAAAAAAAAAAAAAAAAAEAAABQAAAAAAAAAAAA4D8AAAAAAADgPwAAAAAAAOA/AAAAAAAA4D8AAAAAAADgPwAAAAAAAOA/AAAAAAAA4D8AAAAAAADgPwAAAAAAAOA/AAAAAAAA4D8CAAAAjAAAAAAAAAAAAAAA////AP///wgAAAAAAAAAAAAAAAAAAAAAAAAAAAAAAAAAAAAAeAAAAAEAAABAAAAAAAAAAAAAAABaAAAAAAAAAAAAAAAAAAAAAAAAAAAAAAAAAAAAAAAAAAAAAAAAAAAAAAAAAAAAAAAAAAAAAAAAAAAAAAAAAAAAAAAAAAAAAAAAAAAAFAAAADwAAAAAAAAAAAAAAAAAAAAPAAAAAQAAACMAAAAjAAAAIwAAAB4AAAAAAAAAZAAAAGQAAAAAAAAAZAAAAGQAAAAVAAAAYAAAAAAAAAAAAAAADwAAACADAAAAAAAAAAAAAAEAAACgMgAAVgcAAKr4//8BAAAAf39/AAEAAABkAAAAAAAAABQAAABAHwAAAAAAACYAAAAAAAAAwOD//wAAAAAmAAAAZAAAABYAAABMAAAAAAAAAAAAAAAEAAAAAAAAAAEAAADu7OEKAAAAACgAAAAoAAAAZAAAAGQAAAAAAAAAzMzMAAAAAABQAAAAUAAAAGQAAABkAAAAAAAAABcAAAAUAAAAAAAAAAAAAAD/fwAA/38AAAAAAAAJAAAABAAAAEQALwAMAAAAEAAAAAAAAAAAAAAAAAAAAAAAAAAeAAAAaAAAAAAAAAAAAAAAAAAAAAAAAAAAAAAAECcAABAnAAAAAAAAAAAAAAAAAAAAAAAAAAAAAAAAAAAAAAAAAAAAABQAAAAAAAAAwMD/AAAAAABkAAAAMgAAAAAAAABkAAAAAAAAAH9/fwAKAAAAHwAAAFQAAAD///8AAAAAAQAAAAAAAAAAAAAAAAAAAAAAAAAAAAAAAAAAAAAAAAAAAAAAAH9/fwAAAAADzMzMAMDA/wB/f38AAAAAAAAAAAAAAAAAAAAAAAAAAAAhAAAAGAAAABQAAADIBQAAwBIAAHpIAACaIQAAEAAAACYAAAAIAAAAPZAAAAAAAAA="/>
+                <pr:smNativeData xmlns="" xmlns:p14="http://schemas.microsoft.com/office/powerpoint/2010/main" xmlns:pr="smNativeData" val="SMDATA_13_eIVQYBMAAAAlAAAAZAAAAA0AAAAAAAAAAAAAAAAAAAAAAAAAAAAAAAAAAAAAAAAAAAEAAABQAAAAAAAAAAAA4D8AAAAAAADgPwAAAAAAAOA/AAAAAAAA4D8AAAAAAADgPwAAAAAAAOA/AAAAAAAA4D8AAAAAAADgPwAAAAAAAOA/AAAAAAAA4D8CAAAAjAAAAAAAAAAAAAAA////AP///wgAAAAAAAAAAAAAAAAAAAAAAAAAAAAAAAAAAAAAeAAAAAEAAABAAAAAAAAAAAAAAABaAAAAAAAAAAAAAAAAAAAAAAAAAAAAAAAAAAAAAAAAAAAAAAAAAAAAAAAAAAAAAAAAAAAAAAAAAAAAAAAAAAAAAAAAAAAAAAAAAAAAFAAAADwAAAAAAAAAAAAAAAAAAAAPAAAAAQAAACMAAAAjAAAAIwAAAB4AAAAAAAAAZAAAAGQAAAAAAAAAZAAAAGQAAAAVAAAAYAAAAAAAAAAAAAAADwAAACADAAAAAAAAAAAAAAEAAACgMgAAVgcAAKr4//8BAAAAf39/AAEAAABkAAAAAAAAABQAAABAHwAAAAAAACYAAAAAAAAAwOD//wAAAAAmAAAAZAAAABYAAABMAAAAAAAAAAAAAAAEAAAAAAAAAAEAAADu7OEKAAAAACgAAAAoAAAAZAAAAGQAAAAAAAAAzMzMAAAAAABQAAAAUAAAAGQAAABkAAAAAAAAABcAAAAUAAAAAAAAAAAAAAD/fwAA/38AAAAAAAAJAAAABAAAAEQALwAMAAAAEAAAAAAAAAAAAAAAAAAAAAAAAAAeAAAAaAAAAAAAAAAAAAAAAAAAAAAAAAAAAAAAECcAABAnAAAAAAAAAAAAAAAAAAAAAAAAAAAAAAAAAAAAAAAAAAAAABQAAAAAAAAAwMD/AAAAAABkAAAAMgAAAAAAAABkAAAAAAAAAH9/fwAKAAAAHwAAAFQAAAD///8AAAAAAQAAAAAAAAAAAAAAAAAAAAAAAAAAAAAAAAAAAAAAAAAAAAAAAH9/fwAAAAADzMzMAMDA/wB/f38AAAAAAAAAAAAAAAAAAAAAAAAAAAAhAAAAGAAAABQAAADIBQAAwBIAAHpIAACaIQAAEAAAACYAAAAIAAAAPZAAAAAAAAA="/>
               </a:ext>
             </a:extLst>
           </p:cNvSpPr>
@@ -2139,7 +2665,7 @@
             <a:spLocks noGrp="1" noChangeArrowheads="1"/>
             <a:extLst>
               <a:ext uri="smNativeData">
-                <pr:smNativeData xmlns:pr="smNativeData" xmlns:p14="http://schemas.microsoft.com/office/powerpoint/2010/main" xmlns="" val="SMDATA_13_eIVQYBMAAAAlAAAAZAAAAA0AAAAAAAAAAAAAAAAAAAAAAAAAAAAAAAAAAAAAAAAAAAEAAABQAAAAAAAAAAAA4D8AAAAAAADgPwAAAAAAAOA/AAAAAAAA4D8AAAAAAADgPwAAAAAAAOA/AAAAAAAA4D8AAAAAAADgPwAAAAAAAOA/AAAAAAAA4D8CAAAAjAAAAAAAAAAAAAAA////AP///wgAAAAAAAAAAAAAAAAAAAAAAAAAAAAAAAAAAAAAeAAAAAEAAABAAAAAAAAAAAAAAABaAAAAAAAAAAAAAAAAAAAAAAAAAAAAAAAAAAAAAAAAAAAAAAAAAAAAAAAAAAAAAAAAAAAAAAAAAAAAAAAAAAAAAAAAAAAAAAAAAAAAFAAAADwAAAAAAAAAAAAAAAAAAAAPAAAAAQAAACMAAAAjAAAAIwAAAB4AAAAAAAAAZAAAAGQAAAAAAAAAZAAAAGQAAAAVAAAAYAAAAAAAAAAAAAAADwAAACADAAAAAAAAAAAAAAEAAACgMgAAVgcAAKr4//8BAAAAf39/AAEAAABkAAAAAAAAABQAAABAHwAAAAAAACYAAAAAAAAAwOD//wAAAAAmAAAAZAAAABYAAABMAAAAAAAAAAAAAAAEAAAAAAAAAAEAAADu7OEKAAAAACgAAAAoAAAAZAAAAGQAAAAAAAAAzMzMAAAAAABQAAAAUAAAAGQAAABkAAAAAAAAABcAAAAUAAAAAAAAAAAAAAD/fwAA/38AAAAAAAAJAAAABAAAAAAAAAAMAAAAEAAAAAAAAAAAAAAAAAAAAAAAAAAeAAAAaAAAAAAAAAAAAAAAAAAAAAAAAAAAAAAAECcAABAnAAAAAAAAAAAAAAAAAAAAAAAAAAAAAAAAAAAAAAAAAAAAABQAAAAAAAAAwMD/AAAAAABkAAAAMgAAAAAAAABkAAAAAAAAAH9/fwAKAAAAHwAAAFQAAAD///8AAAAAAQAAAAAAAAAAAAAAAAAAAAAAAAAAAAAAAAAAAAAAAAAAAAAAAH9/fwAAAAADzMzMAMDA/wB/f38AAAAAAAAAAAAAAAAAAAAAAAAAAAAhAAAAGAAAABQAAADqAQAA4DgAAPAKAACYOgAAEAAAACYAAAAIAAAAPJAAAAAAAAA="/>
+                <pr:smNativeData xmlns="" xmlns:p14="http://schemas.microsoft.com/office/powerpoint/2010/main" xmlns:pr="smNativeData" val="SMDATA_13_eIVQYBMAAAAlAAAAZAAAAA0AAAAAAAAAAAAAAAAAAAAAAAAAAAAAAAAAAAAAAAAAAAEAAABQAAAAAAAAAAAA4D8AAAAAAADgPwAAAAAAAOA/AAAAAAAA4D8AAAAAAADgPwAAAAAAAOA/AAAAAAAA4D8AAAAAAADgPwAAAAAAAOA/AAAAAAAA4D8CAAAAjAAAAAAAAAAAAAAA////AP///wgAAAAAAAAAAAAAAAAAAAAAAAAAAAAAAAAAAAAAeAAAAAEAAABAAAAAAAAAAAAAAABaAAAAAAAAAAAAAAAAAAAAAAAAAAAAAAAAAAAAAAAAAAAAAAAAAAAAAAAAAAAAAAAAAAAAAAAAAAAAAAAAAAAAAAAAAAAAAAAAAAAAFAAAADwAAAAAAAAAAAAAAAAAAAAPAAAAAQAAACMAAAAjAAAAIwAAAB4AAAAAAAAAZAAAAGQAAAAAAAAAZAAAAGQAAAAVAAAAYAAAAAAAAAAAAAAADwAAACADAAAAAAAAAAAAAAEAAACgMgAAVgcAAKr4//8BAAAAf39/AAEAAABkAAAAAAAAABQAAABAHwAAAAAAACYAAAAAAAAAwOD//wAAAAAmAAAAZAAAABYAAABMAAAAAAAAAAAAAAAEAAAAAAAAAAEAAADu7OEKAAAAACgAAAAoAAAAZAAAAGQAAAAAAAAAzMzMAAAAAABQAAAAUAAAAGQAAABkAAAAAAAAABcAAAAUAAAAAAAAAAAAAAD/fwAA/38AAAAAAAAJAAAABAAAAAAAAAAMAAAAEAAAAAAAAAAAAAAAAAAAAAAAAAAeAAAAaAAAAAAAAAAAAAAAAAAAAAAAAAAAAAAAECcAABAnAAAAAAAAAAAAAAAAAAAAAAAAAAAAAAAAAAAAAAAAAAAAABQAAAAAAAAAwMD/AAAAAABkAAAAMgAAAAAAAABkAAAAAAAAAH9/fwAKAAAAHwAAAFQAAAD///8AAAAAAQAAAAAAAAAAAAAAAAAAAAAAAAAAAAAAAAAAAAAAAAAAAAAAAH9/fwAAAAADzMzMAMDA/wB/f38AAAAAAAAAAAAAAAAAAAAAAAAAAAAhAAAAGAAAABQAAADqAQAA4DgAAPAKAACYOgAAEAAAACYAAAAIAAAAPJAAAAAAAAA="/>
               </a:ext>
             </a:extLst>
           </p:cNvSpPr>
@@ -2204,7 +2730,7 @@
             <a:spLocks noGrp="1" noChangeArrowheads="1"/>
             <a:extLst>
               <a:ext uri="smNativeData">
-                <pr:smNativeData xmlns:pr="smNativeData" xmlns:p14="http://schemas.microsoft.com/office/powerpoint/2010/main" xmlns="" val="SMDATA_13_eIVQYBMAAAAlAAAAZAAAAA0AAAAAAAAAAAAAAAAAAAAAAAAAAAAAAAAAAAAAAAAAAAEAAABQAAAAAAAAAAAA4D8AAAAAAADgPwAAAAAAAOA/AAAAAAAA4D8AAAAAAADgPwAAAAAAAOA/AAAAAAAA4D8AAAAAAADgPwAAAAAAAOA/AAAAAAAA4D8CAAAAjAAAAAAAAAAAAAAA////AP///wgAAAAAAAAAAAAAAAAAAAAAAAAAAAAAAAAAAAAAeAAAAAEAAABAAAAAAAAAAAAAAABaAAAAAAAAAAAAAAAAAAAAAAAAAAAAAAAAAAAAAAAAAAAAAAAAAAAAAAAAAAAAAAAAAAAAAAAAAAAAAAAAAAAAAAAAAAAAAAAAAAAAFAAAADwAAAAAAAAAAAAAAAAAAAAPAAAAAQAAACMAAAAjAAAAIwAAAB4AAAAAAAAAZAAAAGQAAAAAAAAAZAAAAGQAAAAVAAAAYAAAAAAAAAAAAAAADwAAACADAAAAAAAAAAAAAAEAAACgMgAAVgcAAKr4//8BAAAAf39/AAEAAABkAAAAAAAAABQAAABAHwAAAAAAACYAAAAAAAAAwOD//wAAAAAmAAAAZAAAABYAAABMAAAAAAAAAAAAAAAEAAAAAAAAAAEAAADu7OEKAAAAACgAAAAoAAAAZAAAAGQAAAAAAAAAzMzMAAAAAABQAAAAUAAAAGQAAABkAAAAAAAAABcAAAAUAAAAAAAAAAAAAAD/fwAA/38AAAAAAAAJAAAABAAAAAAAAAAMAAAAEAAAAAAAAAAAAAAAAAAAAAAAAAAeAAAAaAAAAAAAAAAAAAAAAAAAAAAAAAAAAAAAECcAABAnAAAAAAAAAAAAAAAAAAAAAAAAAAAAAAAAAAAAAAAAAAAAABQAAAAAAAAAwMD/AAAAAABkAAAAMgAAAAAAAABkAAAAAAAAAH9/fwAKAAAAHwAAAFQAAAD///8AAAAAAQAAAAAAAAAAAAAAAAAAAAAAAAAAAAAAAAAAAAAAAAAAAAAAAH9/fwAAAAADzMzMAMDA/wB/f38AAAAAAAAAAAAAAAAAAAAAAAAAAAAhAAAAGAAAABQAAADQSAAAGDkAABZOAACYOgAAEAAAACYAAAAIAAAAPJAAAAAAAAA="/>
+                <pr:smNativeData xmlns="" xmlns:p14="http://schemas.microsoft.com/office/powerpoint/2010/main" xmlns:pr="smNativeData" val="SMDATA_13_eIVQYBMAAAAlAAAAZAAAAA0AAAAAAAAAAAAAAAAAAAAAAAAAAAAAAAAAAAAAAAAAAAEAAABQAAAAAAAAAAAA4D8AAAAAAADgPwAAAAAAAOA/AAAAAAAA4D8AAAAAAADgPwAAAAAAAOA/AAAAAAAA4D8AAAAAAADgPwAAAAAAAOA/AAAAAAAA4D8CAAAAjAAAAAAAAAAAAAAA////AP///wgAAAAAAAAAAAAAAAAAAAAAAAAAAAAAAAAAAAAAeAAAAAEAAABAAAAAAAAAAAAAAABaAAAAAAAAAAAAAAAAAAAAAAAAAAAAAAAAAAAAAAAAAAAAAAAAAAAAAAAAAAAAAAAAAAAAAAAAAAAAAAAAAAAAAAAAAAAAAAAAAAAAFAAAADwAAAAAAAAAAAAAAAAAAAAPAAAAAQAAACMAAAAjAAAAIwAAAB4AAAAAAAAAZAAAAGQAAAAAAAAAZAAAAGQAAAAVAAAAYAAAAAAAAAAAAAAADwAAACADAAAAAAAAAAAAAAEAAACgMgAAVgcAAKr4//8BAAAAf39/AAEAAABkAAAAAAAAABQAAABAHwAAAAAAACYAAAAAAAAAwOD//wAAAAAmAAAAZAAAABYAAABMAAAAAAAAAAAAAAAEAAAAAAAAAAEAAADu7OEKAAAAACgAAAAoAAAAZAAAAGQAAAAAAAAAzMzMAAAAAABQAAAAUAAAAGQAAABkAAAAAAAAABcAAAAUAAAAAAAAAAAAAAD/fwAA/38AAAAAAAAJAAAABAAAAAAAAAAMAAAAEAAAAAAAAAAAAAAAAAAAAAAAAAAeAAAAaAAAAAAAAAAAAAAAAAAAAAAAAAAAAAAAECcAABAnAAAAAAAAAAAAAAAAAAAAAAAAAAAAAAAAAAAAAAAAAAAAABQAAAAAAAAAwMD/AAAAAABkAAAAMgAAAAAAAABkAAAAAAAAAH9/fwAKAAAAHwAAAFQAAAD///8AAAAAAQAAAAAAAAAAAAAAAAAAAAAAAAAAAAAAAAAAAAAAAAAAAAAAAH9/fwAAAAADzMzMAMDA/wB/f38AAAAAAAAAAAAAAAAAAAAAAAAAAAAhAAAAGAAAABQAAADQSAAAGDkAABZOAACYOgAAEAAAACYAAAAIAAAAPJAAAAAAAAA="/>
               </a:ext>
             </a:extLst>
           </p:cNvSpPr>
@@ -2270,7 +2796,7 @@
             <a:spLocks noGrp="1" noChangeArrowheads="1"/>
             <a:extLst>
               <a:ext uri="smNativeData">
-                <pr:smNativeData xmlns:pr="smNativeData" xmlns:p14="http://schemas.microsoft.com/office/powerpoint/2010/main" xmlns="" val="SMDATA_13_eIVQYBMAAAAlAAAAZAAAAA0AAAAAAAAAAAAAAAAAAAAAAAAAAAAAAAAAAAAAAAAAAAEAAABQAAAAAAAAAAAA4D8AAAAAAADgPwAAAAAAAOA/AAAAAAAA4D8AAAAAAADgPwAAAAAAAOA/AAAAAAAA4D8AAAAAAADgPwAAAAAAAOA/AAAAAAAA4D8CAAAAjAAAAAAAAAAAAAAA////AP///wgAAAAAAAAAAAAAAAAAAAAAAAAAAAAAAAAAAAAAeAAAAAEAAABAAAAAAAAAAAAAAABaAAAAAAAAAAAAAAAAAAAAAAAAAAAAAAAAAAAAAAAAAAAAAAAAAAAAAAAAAAAAAAAAAAAAAAAAAAAAAAAAAAAAAAAAAAAAAAAAAAAAFAAAADwAAAAAAAAAAAAAAAAAAAAPAAAAAQAAACMAAAAjAAAAIwAAAB4AAAAAAAAAZAAAAGQAAAAAAAAAZAAAAGQAAAAVAAAAYAAAAAAAAAAAAAAADwAAACADAAAAAAAAAAAAAAEAAACgMgAAVgcAAKr4//8BAAAAf39/AAEAAABkAAAAAAAAABQAAABAHwAAAAAAACYAAAAAAAAAwOD//wAAAAAmAAAAZAAAABYAAABMAAAAAAAAAAAAAAAEAAAAAAAAAAEAAADu7OEKAAAAACgAAAAoAAAAZAAAAGQAAAAAAAAAzMzMAAAAAABQAAAAUAAAAGQAAABkAAAAAAAAABcAAAAUAAAAAAAAAAAAAAD/fwAA/38AAAAAAAAJAAAABAAAAAAAAAAMAAAAEAAAAAAAAAAAAAAAAAAAAAAAAAAeAAAAaAAAAAAAAAAAAAAAAAAAAAAAAAAAAAAAECcAABAnAAAAAAAAAAAAAAAAAAAAAAAAAAAAAAAAAAAAAAAAAAAAABQAAAAAAAAAwMD/AAAAAABkAAAAMgAAAAAAAABkAAAAAAAAAH9/fwAKAAAAHwAAAFQAAAD///8AAAAAAQAAAAAAAAAAAAAAAAAAAAAAAAAAAAAAAAAAAAAAAAAAAAAAAH9/fwAAAAADzMzMAMDA/wB/f38AAAAAAAAAAAAAAAAAAAAAAAAAAAAhAAAAGAAAABQAAADIBQAAXTYAAMcoAACANwAAEAAAACYAAAAIAAAAAYAAAAAAAAA="/>
+                <pr:smNativeData xmlns="" xmlns:p14="http://schemas.microsoft.com/office/powerpoint/2010/main" xmlns:pr="smNativeData" val="SMDATA_13_eIVQYBMAAAAlAAAAZAAAAA0AAAAAAAAAAAAAAAAAAAAAAAAAAAAAAAAAAAAAAAAAAAEAAABQAAAAAAAAAAAA4D8AAAAAAADgPwAAAAAAAOA/AAAAAAAA4D8AAAAAAADgPwAAAAAAAOA/AAAAAAAA4D8AAAAAAADgPwAAAAAAAOA/AAAAAAAA4D8CAAAAjAAAAAAAAAAAAAAA////AP///wgAAAAAAAAAAAAAAAAAAAAAAAAAAAAAAAAAAAAAeAAAAAEAAABAAAAAAAAAAAAAAABaAAAAAAAAAAAAAAAAAAAAAAAAAAAAAAAAAAAAAAAAAAAAAAAAAAAAAAAAAAAAAAAAAAAAAAAAAAAAAAAAAAAAAAAAAAAAAAAAAAAAFAAAADwAAAAAAAAAAAAAAAAAAAAPAAAAAQAAACMAAAAjAAAAIwAAAB4AAAAAAAAAZAAAAGQAAAAAAAAAZAAAAGQAAAAVAAAAYAAAAAAAAAAAAAAADwAAACADAAAAAAAAAAAAAAEAAACgMgAAVgcAAKr4//8BAAAAf39/AAEAAABkAAAAAAAAABQAAABAHwAAAAAAACYAAAAAAAAAwOD//wAAAAAmAAAAZAAAABYAAABMAAAAAAAAAAAAAAAEAAAAAAAAAAEAAADu7OEKAAAAACgAAAAoAAAAZAAAAGQAAAAAAAAAzMzMAAAAAABQAAAAUAAAAGQAAABkAAAAAAAAABcAAAAUAAAAAAAAAAAAAAD/fwAA/38AAAAAAAAJAAAABAAAAAAAAAAMAAAAEAAAAAAAAAAAAAAAAAAAAAAAAAAeAAAAaAAAAAAAAAAAAAAAAAAAAAAAAAAAAAAAECcAABAnAAAAAAAAAAAAAAAAAAAAAAAAAAAAAAAAAAAAAAAAAAAAABQAAAAAAAAAwMD/AAAAAABkAAAAMgAAAAAAAABkAAAAAAAAAH9/fwAKAAAAHwAAAFQAAAD///8AAAAAAQAAAAAAAAAAAAAAAAAAAAAAAAAAAAAAAAAAAAAAAAAAAAAAAH9/fwAAAAADzMzMAMDA/wB/f38AAAAAAAAAAAAAAAAAAAAAAAAAAAAhAAAAGAAAABQAAADIBQAAXTYAAMcoAACANwAAEAAAACYAAAAIAAAAAYAAAAAAAAA="/>
               </a:ext>
             </a:extLst>
           </p:cNvSpPr>
@@ -2364,7 +2890,7 @@
             <a:spLocks noGrp="1" noChangeArrowheads="1"/>
             <a:extLst>
               <a:ext uri="smNativeData">
-                <pr:smNativeData xmlns:pr="smNativeData" xmlns:p14="http://schemas.microsoft.com/office/powerpoint/2010/main" xmlns="" val="SMDATA_13_eIVQYBMAAAAlAAAAZAAAAA0AAAAAAAAAAAAAAAAAAAAAAAAAAAAAAAAAAAAAAAAAAAEAAABQAAAAAAAAAAAA4D8AAAAAAADgPwAAAAAAAOA/AAAAAAAA4D8AAAAAAADgPwAAAAAAAOA/AAAAAAAA4D8AAAAAAADgPwAAAAAAAOA/AAAAAAAA4D8CAAAAjAAAAAAAAAAAAAAA////AP///wgAAAAAAAAAAAAAAAAAAAAAAAAAAAAAAAAAAAAAeAAAAAEAAABAAAAAAAAAAAAAAABaAAAAAAAAAAAAAAAAAAAAAAAAAAAAAAAAAAAAAAAAAAAAAAAAAAAAAAAAAAAAAAAAAAAAAAAAAAAAAAAAAAAAAAAAAAAAAAAAAAAAFAAAADwAAAAAAAAAAAAAAAAAAAAPAAAAAQAAACMAAAAjAAAAIwAAAB4AAAAAAAAAZAAAAGQAAAAAAAAAZAAAAGQAAAAVAAAAYAAAAAAAAAAAAAAADwAAACADAAAAAAAAAAAAAAEAAACgMgAAVgcAAKr4//8BAAAAf39/AAEAAABkAAAAAAAAABQAAABAHwAAAAAAACYAAAAAAAAAwOD//wAAAAAmAAAAZAAAABYAAABMAAAAAAAAAAAAAAAEAAAAAAAAAAEAAADu7OEKAAAAACgAAAAoAAAAZAAAAGQAAAAAAAAAzMzMAAAAAABQAAAAUAAAAGQAAABkAAAAAAAAABcAAAAUAAAAAAAAAAAAAAD/fwAA/38AAAAAAAAJAAAABAAAAAAAAAAMAAAAEAAAAAAAAAAAAAAAAAAAAAAAAAAeAAAAaAAAAAAAAAAAAAAAAAAAAAAAAAAAAAAAECcAABAnAAAAAAAAAAAAAAAAAAAAAAAAAAAAAAAAAAAAAAAAAAAAABQAAAAAAAAAwMD/AAAAAABkAAAAMgAAAAAAAABkAAAAAAAAAH9/fwAKAAAAHwAAAFQAAAD///8AAAAAAQAAAAAAAAAAAAAAAAAAAAAAAAAAAAAAAAAAAAAAAAAAAAAAAH9/fwAAAAADzMzMAMDA/wB/f38AAAAAAAAAAAAAAAAAAAAAAAAAAAAhAAAAGAAAABQAAAAAAAAAcAgAAABQAAB4PAAAEAAAACYAAAAIAAAAAYAAAAAAAAA="/>
+                <pr:smNativeData xmlns="" xmlns:p14="http://schemas.microsoft.com/office/powerpoint/2010/main" xmlns:pr="smNativeData" val="SMDATA_13_eIVQYBMAAAAlAAAAZAAAAA0AAAAAAAAAAAAAAAAAAAAAAAAAAAAAAAAAAAAAAAAAAAEAAABQAAAAAAAAAAAA4D8AAAAAAADgPwAAAAAAAOA/AAAAAAAA4D8AAAAAAADgPwAAAAAAAOA/AAAAAAAA4D8AAAAAAADgPwAAAAAAAOA/AAAAAAAA4D8CAAAAjAAAAAAAAAAAAAAA////AP///wgAAAAAAAAAAAAAAAAAAAAAAAAAAAAAAAAAAAAAeAAAAAEAAABAAAAAAAAAAAAAAABaAAAAAAAAAAAAAAAAAAAAAAAAAAAAAAAAAAAAAAAAAAAAAAAAAAAAAAAAAAAAAAAAAAAAAAAAAAAAAAAAAAAAAAAAAAAAAAAAAAAAFAAAADwAAAAAAAAAAAAAAAAAAAAPAAAAAQAAACMAAAAjAAAAIwAAAB4AAAAAAAAAZAAAAGQAAAAAAAAAZAAAAGQAAAAVAAAAYAAAAAAAAAAAAAAADwAAACADAAAAAAAAAAAAAAEAAACgMgAAVgcAAKr4//8BAAAAf39/AAEAAABkAAAAAAAAABQAAABAHwAAAAAAACYAAAAAAAAAwOD//wAAAAAmAAAAZAAAABYAAABMAAAAAAAAAAAAAAAEAAAAAAAAAAEAAADu7OEKAAAAACgAAAAoAAAAZAAAAGQAAAAAAAAAzMzMAAAAAABQAAAAUAAAAGQAAABkAAAAAAAAABcAAAAUAAAAAAAAAAAAAAD/fwAA/38AAAAAAAAJAAAABAAAAAAAAAAMAAAAEAAAAAAAAAAAAAAAAAAAAAAAAAAeAAAAaAAAAAAAAAAAAAAAAAAAAAAAAAAAAAAAECcAABAnAAAAAAAAAAAAAAAAAAAAAAAAAAAAAAAAAAAAAAAAAAAAABQAAAAAAAAAwMD/AAAAAABkAAAAMgAAAAAAAABkAAAAAAAAAH9/fwAKAAAAHwAAAFQAAAD///8AAAAAAQAAAAAAAAAAAAAAAAAAAAAAAAAAAAAAAAAAAAAAAAAAAAAAAH9/fwAAAAADzMzMAMDA/wB/f38AAAAAAAAAAAAAAAAAAAAAAAAAAAAhAAAAGAAAABQAAAAAAAAAcAgAAABQAAB4PAAAEAAAACYAAAAIAAAAAYAAAAAAAAA="/>
               </a:ext>
             </a:extLst>
           </p:cNvSpPr>
@@ -2430,7 +2956,7 @@
           <p:cNvSpPr>
             <a:extLst>
               <a:ext uri="smNativeData">
-                <pr:smNativeData xmlns:pr="smNativeData" xmlns:p14="http://schemas.microsoft.com/office/powerpoint/2010/main" xmlns="" val="SMDATA_13_eIVQYBMAAAAlAAAAZAAAAA0AAAAAkAAAAEgAAACQAAAASAAAAAAAAAABAAAAAAAAAAEAAABQAAAAAAAAAAAA4D8AAAAAAADgPwAAAAAAAOA/AAAAAAAA4D8AAAAAAADgPwAAAAAAAOA/AAAAAAAA4D8AAAAAAADgPwAAAAAAAOA/AAAAAAAA4D8CAAAAjAAAAAEAAAAAAAAA////CP///wgAAAAAAAAAAAAAAAAAAAAAAAAAAAAAAAAAAAAAeAAAAAEAAABAAAAAAAAAAAAAAABaAAAAAAAAAAAAAAAAAAAAAAAAAAAAAAAAAAAAAAAAAAAAAAAAAAAAAAAAAAAAAAAAAAAAAAAAAAAAAAAAAAAAAAAAAAAAAAAAAAAAFAAAADwAAAAAAAAAAAAAAAAAAAkUAAAAAQAAABQAAAAUAAAAFAAAAAEAAAAAAAAAZAAAAGQAAAAAAAAAZAAAAGQAAAAVAAAAYAAAAAAAAAAAAAAADwAAACADAAAAAAAAAAAAAAEAAACgMgAAVgcAAKr4//8BAAAAf39/AAEAAABkAAAAAAAAABQAAABAHwAAAAAAACYAAAAAAAAAwOD//wAAAAAmAAAAZAAAABYAAABMAAAAAAAAAAAAAAAEAAAAAAAAAAEAAADu7OEKAAAAACgAAAAoAAAAZAAAAGQAAAAAAAAAzMzMAAAAAABQAAAAUAAAAGQAAABkAAAAAAAAABcAAAAUAAAAAAAAAAAAAAD/fwAA/38AAAAAAAAJAAAABAAAAEEAQQAMAAAAEAAAAAAAAAAAAAAAAAAAAAAAAAAeAAAAaAAAAAAAAAAAAAAAAAAAAAAAAAAAAAAAECcAABAnAAAAAAAAAAAAAAAAAAAAAAAAAAAAAAAAAAAAAAAAAAAAABQAAAAAAAAAwMD/AAAAAABkAAAAMgAAAAAAAABkAAAAAAAAAH9/fwAKAAAAHwAAAFQAAAAAAAABAAAAAQAAAAAAAAAAAAAAAAAAAAAAAAAAAAAAAAAAAAAAAAAAAAAAAn9/fwAAAAADzMzMAMDA/wB/f38AAAAAAAAAAAAAAAAAAAAAAAAAAAAhAAAAGAAAABQAAAAAAAAAUDcAAABQAAAAPAAAEAAAACYAAAAIAAAA//////////8="/>
+                <pr:smNativeData xmlns="" xmlns:p14="http://schemas.microsoft.com/office/powerpoint/2010/main" xmlns:pr="smNativeData" val="SMDATA_13_eIVQYBMAAAAlAAAAZAAAAA0AAAAAkAAAAEgAAACQAAAASAAAAAAAAAABAAAAAAAAAAEAAABQAAAAAAAAAAAA4D8AAAAAAADgPwAAAAAAAOA/AAAAAAAA4D8AAAAAAADgPwAAAAAAAOA/AAAAAAAA4D8AAAAAAADgPwAAAAAAAOA/AAAAAAAA4D8CAAAAjAAAAAEAAAAAAAAA////CP///wgAAAAAAAAAAAAAAAAAAAAAAAAAAAAAAAAAAAAAeAAAAAEAAABAAAAAAAAAAAAAAABaAAAAAAAAAAAAAAAAAAAAAAAAAAAAAAAAAAAAAAAAAAAAAAAAAAAAAAAAAAAAAAAAAAAAAAAAAAAAAAAAAAAAAAAAAAAAAAAAAAAAFAAAADwAAAAAAAAAAAAAAAAAAAkUAAAAAQAAABQAAAAUAAAAFAAAAAEAAAAAAAAAZAAAAGQAAAAAAAAAZAAAAGQAAAAVAAAAYAAAAAAAAAAAAAAADwAAACADAAAAAAAAAAAAAAEAAACgMgAAVgcAAKr4//8BAAAAf39/AAEAAABkAAAAAAAAABQAAABAHwAAAAAAACYAAAAAAAAAwOD//wAAAAAmAAAAZAAAABYAAABMAAAAAAAAAAAAAAAEAAAAAAAAAAEAAADu7OEKAAAAACgAAAAoAAAAZAAAAGQAAAAAAAAAzMzMAAAAAABQAAAAUAAAAGQAAABkAAAAAAAAABcAAAAUAAAAAAAAAAAAAAD/fwAA/38AAAAAAAAJAAAABAAAAEEAQQAMAAAAEAAAAAAAAAAAAAAAAAAAAAAAAAAeAAAAaAAAAAAAAAAAAAAAAAAAAAAAAAAAAAAAECcAABAnAAAAAAAAAAAAAAAAAAAAAAAAAAAAAAAAAAAAAAAAAAAAABQAAAAAAAAAwMD/AAAAAABkAAAAMgAAAAAAAABkAAAAAAAAAH9/fwAKAAAAHwAAAFQAAAAAAAABAAAAAQAAAAAAAAAAAAAAAAAAAAAAAAAAAAAAAAAAAAAAAAAAAAAAAn9/fwAAAAADzMzMAMDA/wB/f38AAAAAAAAAAAAAAAAAAAAAAAAAAAAhAAAAGAAAABQAAAAAAAAAUDcAAABQAAAAPAAAEAAAACYAAAAIAAAA//////////8="/>
               </a:ext>
             </a:extLst>
           </p:cNvSpPr>
@@ -2499,7 +3025,7 @@
             <a:spLocks noGrp="1" noChangeArrowheads="1"/>
             <a:extLst>
               <a:ext uri="smNativeData">
-                <pr:smNativeData xmlns:pr="smNativeData" xmlns:p14="http://schemas.microsoft.com/office/powerpoint/2010/main" xmlns="" val="SMDATA_13_eIVQYBMAAAAlAAAAZAAAAA0AAAAAAAAAAAAAAAAAAAAAAAAAAAAAAAAAAAAAAAAAAAEAAABQAAAAAAAAAAAA4D8AAAAAAADgPwAAAAAAAOA/AAAAAAAA4D8AAAAAAADgPwAAAAAAAOA/AAAAAAAA4D8AAAAAAADgPwAAAAAAAOA/AAAAAAAA4D8CAAAAjAAAAAAAAAAAAAAA////AP///wgAAAAAAAAAAAAAAAAAAAAAAAAAAAAAAAAAAAAAeAAAAAEAAABAAAAAAAAAAAAAAABaAAAAAAAAAAAAAAAAAAAAAAAAAAAAAAAAAAAAAAAAAAAAAAAAAAAAAAAAAAAAAAAAAAAAAAAAAAAAAAAAAAAAAAAAAAAAAAAAAAAAFAAAADwAAAAAAAAAAAAAAAAAAAAPAAAAAQAAACMAAAAjAAAAIwAAAB4AAAAAAAAAZAAAAGQAAAAAAAAAZAAAAGQAAAAVAAAAYAAAAAAAAAAAAAAADwAAACADAAAAAAAAAAAAAAEAAACgMgAAVgcAAKr4//8BAAAAf39/AAEAAABkAAAAAAAAABQAAABAHwAAAAAAACYAAAAAAAAAwOD//wAAAAAmAAAAZAAAABYAAABMAAAAAAAAAAAAAAAEAAAAAAAAAAEAAADu7OEKAAAAACgAAAAoAAAAZAAAAGQAAAAAAAAAzMzMAAAAAABQAAAAUAAAAGQAAABkAAAAAAAAABcAAAAUAAAAAAAAAAAAAAD/fwAA/38AAAAAAAAJAAAABAAAAEEAQQAMAAAAEAAAAAAAAAAAAAAAAAAAAAAAAAAeAAAAaAAAAAAAAAAAAAAAAAAAAAAAAAAAAAAAECcAABAnAAAAAAAAAAAAAAAAAAAAAAAAAAAAAAAAAAAAAAAAAAAAABQAAAAAAAAAwMD/AAAAAABkAAAAMgAAAAAAAABkAAAAAAAAAH9/fwAKAAAAHwAAAFQAAAD///8AAAAAAQAAAAAAAAAAAAAAAAAAAAAAAAAAAAAAAAAAAAAAAAAAAAAAAH9/fwAAAAADzMzMAMDA/wB/f38AAAAAAAAAAAAAAAAAAAAAAAAAAAAhAAAAGAAAABQAAAAAAAAAjQ4AAABQAACRNwAAEAAAACYAAAAIAAAAPRAAAAAAAAA="/>
+                <pr:smNativeData xmlns="" xmlns:p14="http://schemas.microsoft.com/office/powerpoint/2010/main" xmlns:pr="smNativeData" val="SMDATA_13_eIVQYBMAAAAlAAAAZAAAAA0AAAAAAAAAAAAAAAAAAAAAAAAAAAAAAAAAAAAAAAAAAAEAAABQAAAAAAAAAAAA4D8AAAAAAADgPwAAAAAAAOA/AAAAAAAA4D8AAAAAAADgPwAAAAAAAOA/AAAAAAAA4D8AAAAAAADgPwAAAAAAAOA/AAAAAAAA4D8CAAAAjAAAAAAAAAAAAAAA////AP///wgAAAAAAAAAAAAAAAAAAAAAAAAAAAAAAAAAAAAAeAAAAAEAAABAAAAAAAAAAAAAAABaAAAAAAAAAAAAAAAAAAAAAAAAAAAAAAAAAAAAAAAAAAAAAAAAAAAAAAAAAAAAAAAAAAAAAAAAAAAAAAAAAAAAAAAAAAAAAAAAAAAAFAAAADwAAAAAAAAAAAAAAAAAAAAPAAAAAQAAACMAAAAjAAAAIwAAAB4AAAAAAAAAZAAAAGQAAAAAAAAAZAAAAGQAAAAVAAAAYAAAAAAAAAAAAAAADwAAACADAAAAAAAAAAAAAAEAAACgMgAAVgcAAKr4//8BAAAAf39/AAEAAABkAAAAAAAAABQAAABAHwAAAAAAACYAAAAAAAAAwOD//wAAAAAmAAAAZAAAABYAAABMAAAAAAAAAAAAAAAEAAAAAAAAAAEAAADu7OEKAAAAACgAAAAoAAAAZAAAAGQAAAAAAAAAzMzMAAAAAABQAAAAUAAAAGQAAABkAAAAAAAAABcAAAAUAAAAAAAAAAAAAAD/fwAA/38AAAAAAAAJAAAABAAAAEEAQQAMAAAAEAAAAAAAAAAAAAAAAAAAAAAAAAAeAAAAaAAAAAAAAAAAAAAAAAAAAAAAAAAAAAAAECcAABAnAAAAAAAAAAAAAAAAAAAAAAAAAAAAAAAAAAAAAAAAAAAAABQAAAAAAAAAwMD/AAAAAABkAAAAMgAAAAAAAABkAAAAAAAAAH9/fwAKAAAAHwAAAFQAAAD///8AAAAAAQAAAAAAAAAAAAAAAAAAAAAAAAAAAAAAAAAAAAAAAAAAAAAAAH9/fwAAAAADzMzMAMDA/wB/f38AAAAAAAAAAAAAAAAAAAAAAAAAAAAhAAAAGAAAABQAAAAAAAAAjQ4AAABQAACRNwAAEAAAACYAAAAIAAAAPRAAAAAAAAA="/>
               </a:ext>
             </a:extLst>
           </p:cNvSpPr>
@@ -2534,7 +3060,7 @@
           <p:cNvSpPr>
             <a:extLst>
               <a:ext uri="smNativeData">
-                <pr:smNativeData xmlns:pr="smNativeData" xmlns:p14="http://schemas.microsoft.com/office/powerpoint/2010/main" xmlns="" val="SMDATA_13_eIVQYBMAAAAlAAAACwAAAA0AAAAAAAAAAAAAAAAAAAAAAAAAAAAAAAAAAAAAAAAAAAEAAABQAAAAAAAAAAAA4D8AAAAAAADgPwAAAAAAAOA/AAAAAAAA4D8AAAAAAADgPwAAAAAAAOA/AAAAAAAA4D8AAAAAAADgPwAAAAAAAOA/AAAAAAAA4D8CAAAAjAAAAAEAAAADAAAAECU/AA+W1AAAAAAAAAAAAAAAAAAAAAAAAAAAAAAAAAAAAAAAeAAAAAEAAABAAAAAZAAAAAAAAABoAQAAAAAAAAAAAAAAAAAAAAAAAAAAAAAAAAAAAAAAAAAAAAAAAAAAAAAAAAAAAAAAAAAAAAAAAAAAAAAAAAAAAAAAAAAAAAAAAAAAFAAAADwAAAAAAAAAAAAAAAAAAAkUAAAAAQAAABQAAAAUAAAAFAAAAAEAAAAAAAAAZAAAAGQAAAAAAAAAZAAAAGQAAAAVAAAAYAAAAAAAAAAAAAAADwAAACADAAAAAAAAAAAAAAEAAACgMgAAVgcAAKr4//8BAAAAf39/AAEAAABkAAAAAAAAABQAAABAHwAAAAAAACYAAAAAAAAAwOD//wAAAAAmAAAAZAAAABYAAABMAAAAAAAAAAAAAAAEAAAAAAAAAAEAAADu7OEKAAAAACgAAAAoAAAAZAAAAGQAAAAAAAAAzMzMAAAAAABQAAAAUAAAAGQAAABkAAAAAAAAABcAAAAUAAAAAAAAAAAAAAD/fwAA/38AAAAAAAAJAAAABAAAAJB/EgMMAAAAEAAAAAAAAAAAAAAAAAAAAAAAAAAeAAAAaAAAAAEAAAAAAAAAAAAAAAAAAAAAAAAAECcAABAnAAAAAAAAAAAAAAAAAAAAAAAAAAAAAAAAAAAAAAAAAAAAABQAAAAAAAAAwMD/AAAAAAAAAAAAAAAAAAAAAABkAAAAAAAAAH9/fwAKAAAAHwAAAFQAAAAQJT8AD5bUAAAAAAAAAAAAAAAAAAAAAAAAAAAAAAAAAAAAAAAAAAAAAAAAAn9/fwAAAAADzMzMAMDA/wB/f38AAAAAAAAAAAAAAAAAAAAAAAAAAAAhAAAAGAAAABQAAAAAAAAAoggAAABQAACUDgAAEAAAACYAAAAIAAAA//////////8="/>
+                <pr:smNativeData xmlns="" xmlns:p14="http://schemas.microsoft.com/office/powerpoint/2010/main" xmlns:pr="smNativeData" val="SMDATA_13_eIVQYBMAAAAlAAAACwAAAA0AAAAAAAAAAAAAAAAAAAAAAAAAAAAAAAAAAAAAAAAAAAEAAABQAAAAAAAAAAAA4D8AAAAAAADgPwAAAAAAAOA/AAAAAAAA4D8AAAAAAADgPwAAAAAAAOA/AAAAAAAA4D8AAAAAAADgPwAAAAAAAOA/AAAAAAAA4D8CAAAAjAAAAAEAAAADAAAAECU/AA+W1AAAAAAAAAAAAAAAAAAAAAAAAAAAAAAAAAAAAAAAeAAAAAEAAABAAAAAZAAAAAAAAABoAQAAAAAAAAAAAAAAAAAAAAAAAAAAAAAAAAAAAAAAAAAAAAAAAAAAAAAAAAAAAAAAAAAAAAAAAAAAAAAAAAAAAAAAAAAAAAAAAAAAFAAAADwAAAAAAAAAAAAAAAAAAAkUAAAAAQAAABQAAAAUAAAAFAAAAAEAAAAAAAAAZAAAAGQAAAAAAAAAZAAAAGQAAAAVAAAAYAAAAAAAAAAAAAAADwAAACADAAAAAAAAAAAAAAEAAACgMgAAVgcAAKr4//8BAAAAf39/AAEAAABkAAAAAAAAABQAAABAHwAAAAAAACYAAAAAAAAAwOD//wAAAAAmAAAAZAAAABYAAABMAAAAAAAAAAAAAAAEAAAAAAAAAAEAAADu7OEKAAAAACgAAAAoAAAAZAAAAGQAAAAAAAAAzMzMAAAAAABQAAAAUAAAAGQAAABkAAAAAAAAABcAAAAUAAAAAAAAAAAAAAD/fwAA/38AAAAAAAAJAAAABAAAAJB/EgMMAAAAEAAAAAAAAAAAAAAAAAAAAAAAAAAeAAAAaAAAAAEAAAAAAAAAAAAAAAAAAAAAAAAAECcAABAnAAAAAAAAAAAAAAAAAAAAAAAAAAAAAAAAAAAAAAAAAAAAABQAAAAAAAAAwMD/AAAAAAAAAAAAAAAAAAAAAABkAAAAAAAAAH9/fwAKAAAAHwAAAFQAAAAQJT8AD5bUAAAAAAAAAAAAAAAAAAAAAAAAAAAAAAAAAAAAAAAAAAAAAAAAAn9/fwAAAAADzMzMAMDA/wB/f38AAAAAAAAAAAAAAAAAAAAAAAAAAAAhAAAAGAAAABQAAAAAAAAAoggAAABQAACUDgAAEAAAACYAAAAIAAAA//////////8="/>
               </a:ext>
             </a:extLst>
           </p:cNvSpPr>
@@ -2607,7 +3133,7 @@
             <a:spLocks noGrp="1" noChangeArrowheads="1"/>
             <a:extLst>
               <a:ext uri="smNativeData">
-                <pr:smNativeData xmlns:pr="smNativeData" xmlns:p14="http://schemas.microsoft.com/office/powerpoint/2010/main" xmlns="" val="SMDATA_13_eIVQYBMAAAAlAAAAZAAAAA0AAAAAAAAAAAAAAAAAAAAAAAAAAAAAAAAAAAAAAAAAAAEAAABQAAAAAAAAAAAA4D8AAAAAAADgPwAAAAAAAOA/AAAAAAAA4D8AAAAAAADgPwAAAAAAAOA/AAAAAAAA4D8AAAAAAADgPwAAAAAAAOA/AAAAAAAA4D8CAAAAjAAAAAAAAAAAAAAA////AP///wgAAAAAAAAAAAAAAAAAAAAAAAAAAAAAAAAAAAAAeAAAAAEAAABAAAAAAAAAAAAAAABaAAAAAAAAAAAAAAAAAAAAAAAAAAAAAAAAAAAAAAAAAAAAAAAAAAAAAAAAAAAAAAAAAAAAAAAAAAAAAAAAAAAAAAAAAAAAAAAAAAAAFAAAADwAAAAAAAAAAAAAAAAAAAAPAAAAAQAAACMAAAAjAAAAIwAAAB4AAAAAAAAAZAAAAGQAAAAAAAAAZAAAAGQAAAAVAAAAYAAAAAAAAAAAAAAADwAAACADAAAAAAAAAAAAAAEAAACgMgAAVgcAAKr4//8BAAAAf39/AAEAAABkAAAAAAAAABQAAABAHwAAAAAAACYAAAAAAAAAwOD//wAAAAAmAAAAZAAAABYAAABMAAAAAAAAAAAAAAAEAAAAAAAAAAEAAADu7OEKAAAAACgAAAAoAAAAZAAAAGQAAAAAAAAAzMzMAAAAAABQAAAAUAAAAGQAAABkAAAAAAAAABcAAAAUAAAAAAAAAAAAAAD/fwAA/38AAAAAAAAJAAAABAAAAAAAAAAMAAAAEAAAAAAAAAAAAAAAAAAAAAAAAAAeAAAAaAAAAAAAAAAAAAAAAAAAAAAAAAAAAAAAECcAABAnAAAAAAAAAAAAAAAAAAAAAAAAAAAAAAAAAAAAAAAAAAAAABQAAAAAAAAAwMD/AAAAAABkAAAAMgAAAAAAAABkAAAAAAAAAH9/fwAKAAAAHwAAAFQAAAD///8AAAAAAQAAAAAAAAAAAAAAAAAAAAAAAAAAAAAAAAAAAAAAAAAAAAAAAH9/fwAAAAADzMzMAMDA/wB/f38AAAAAAAAAAAAAAAAAAAAAAAAAAAAhAAAAGAAAABQAAADIBQAAdAkAAHpIAACsDAAAEAAAACYAAAAIAAAAPZAAAAAAAAA="/>
+                <pr:smNativeData xmlns="" xmlns:p14="http://schemas.microsoft.com/office/powerpoint/2010/main" xmlns:pr="smNativeData" val="SMDATA_13_eIVQYBMAAAAlAAAAZAAAAA0AAAAAAAAAAAAAAAAAAAAAAAAAAAAAAAAAAAAAAAAAAAEAAABQAAAAAAAAAAAA4D8AAAAAAADgPwAAAAAAAOA/AAAAAAAA4D8AAAAAAADgPwAAAAAAAOA/AAAAAAAA4D8AAAAAAADgPwAAAAAAAOA/AAAAAAAA4D8CAAAAjAAAAAAAAAAAAAAA////AP///wgAAAAAAAAAAAAAAAAAAAAAAAAAAAAAAAAAAAAAeAAAAAEAAABAAAAAAAAAAAAAAABaAAAAAAAAAAAAAAAAAAAAAAAAAAAAAAAAAAAAAAAAAAAAAAAAAAAAAAAAAAAAAAAAAAAAAAAAAAAAAAAAAAAAAAAAAAAAAAAAAAAAFAAAADwAAAAAAAAAAAAAAAAAAAAPAAAAAQAAACMAAAAjAAAAIwAAAB4AAAAAAAAAZAAAAGQAAAAAAAAAZAAAAGQAAAAVAAAAYAAAAAAAAAAAAAAADwAAACADAAAAAAAAAAAAAAEAAACgMgAAVgcAAKr4//8BAAAAf39/AAEAAABkAAAAAAAAABQAAABAHwAAAAAAACYAAAAAAAAAwOD//wAAAAAmAAAAZAAAABYAAABMAAAAAAAAAAAAAAAEAAAAAAAAAAEAAADu7OEKAAAAACgAAAAoAAAAZAAAAGQAAAAAAAAAzMzMAAAAAABQAAAAUAAAAGQAAABkAAAAAAAAABcAAAAUAAAAAAAAAAAAAAD/fwAA/38AAAAAAAAJAAAABAAAAAAAAAAMAAAAEAAAAAAAAAAAAAAAAAAAAAAAAAAeAAAAaAAAAAAAAAAAAAAAAAAAAAAAAAAAAAAAECcAABAnAAAAAAAAAAAAAAAAAAAAAAAAAAAAAAAAAAAAAAAAAAAAABQAAAAAAAAAwMD/AAAAAABkAAAAMgAAAAAAAABkAAAAAAAAAH9/fwAKAAAAHwAAAFQAAAD///8AAAAAAQAAAAAAAAAAAAAAAAAAAAAAAAAAAAAAAAAAAAAAAAAAAAAAAH9/fwAAAAADzMzMAMDA/wB/f38AAAAAAAAAAAAAAAAAAAAAAAAAAAAhAAAAGAAAABQAAADIBQAAdAkAAHpIAACsDAAAEAAAACYAAAAIAAAAPZAAAAAAAAA="/>
               </a:ext>
             </a:extLst>
           </p:cNvSpPr>
@@ -2678,7 +3204,7 @@
             <a:spLocks noGrp="1" noChangeArrowheads="1"/>
             <a:extLst>
               <a:ext uri="smNativeData">
-                <pr:smNativeData xmlns:pr="smNativeData" xmlns:p14="http://schemas.microsoft.com/office/powerpoint/2010/main" xmlns="" val="SMDATA_13_eIVQYBMAAAAlAAAAZAAAAA0AAAAAAAAAAAAAAAAAAAAAAAAAAAAAAAAAAAAAAAAAAAEAAABQAAAAAAAAAAAA4D8AAAAAAADgPwAAAAAAAOA/AAAAAAAA4D8AAAAAAADgPwAAAAAAAOA/AAAAAAAA4D8AAAAAAADgPwAAAAAAAOA/AAAAAAAA4D8CAAAAjAAAAAAAAAAAAAAA////AP///wgAAAAAAAAAAAAAAAAAAAAAAAAAAAAAAAAAAAAAeAAAAAEAAABAAAAAAAAAAAAAAABaAAAAAAAAAAAAAAAAAAAAAAAAAAAAAAAAAAAAAAAAAAAAAAAAAAAAAAAAAAAAAAAAAAAAAAAAAAAAAAAAAAAAAAAAAAAAAAAAAAAAFAAAADwAAAAAAAAAAAAAAAAAAAAPAAAAAQAAACMAAAAjAAAAIwAAAB4AAAAAAAAAZAAAAGQAAAAAAAAAZAAAAGQAAAAVAAAAYAAAAAAAAAAAAAAADwAAACADAAAAAAAAAAAAAAEAAACgMgAAVgcAAKr4//8BAAAAf39/AAEAAABkAAAAAAAAABQAAABAHwAAAAAAACYAAAAAAAAAwOD//wAAAAAmAAAAZAAAABYAAABMAAAAAAAAAAAAAAAEAAAAAAAAAAEAAADu7OEKAAAAACgAAAAoAAAAZAAAAGQAAAAAAAAAzMzMAAAAAABQAAAAUAAAAGQAAABkAAAAAAAAABcAAAAUAAAAAAAAAAAAAAD/fwAA/38AAAAAAAAJAAAABAAAAAAAAAAMAAAAEAAAAAAAAAAAAAAAAAAAAAAAAAAeAAAAaAAAAAAAAAAAAAAAAAAAAAAAAAAAAAAAECcAABAnAAAAAAAAAAAAAAAAAAAAAAAAAAAAAAAAAAAAAAAAAAAAABQAAAAAAAAAwMD/AAAAAABkAAAAMgAAAAAAAABkAAAAAAAAAH9/fwAKAAAAHwAAAFQAAAD///8AAAAAAQAAAAAAAAAAAAAAAAAAAAAAAAAAAAAAAAAAAAAAAAAAAAAAAH9/fwAAAAADzMzMAMDA/wB/f38AAAAAAAAAAAAAAAAAAAAAAAAAAAAhAAAAGAAAABQAAADqAQAA4DgAAPAKAACYOgAAEAAAACYAAAAIAAAAPJAAAAAAAAA="/>
+                <pr:smNativeData xmlns="" xmlns:p14="http://schemas.microsoft.com/office/powerpoint/2010/main" xmlns:pr="smNativeData" val="SMDATA_13_eIVQYBMAAAAlAAAAZAAAAA0AAAAAAAAAAAAAAAAAAAAAAAAAAAAAAAAAAAAAAAAAAAEAAABQAAAAAAAAAAAA4D8AAAAAAADgPwAAAAAAAOA/AAAAAAAA4D8AAAAAAADgPwAAAAAAAOA/AAAAAAAA4D8AAAAAAADgPwAAAAAAAOA/AAAAAAAA4D8CAAAAjAAAAAAAAAAAAAAA////AP///wgAAAAAAAAAAAAAAAAAAAAAAAAAAAAAAAAAAAAAeAAAAAEAAABAAAAAAAAAAAAAAABaAAAAAAAAAAAAAAAAAAAAAAAAAAAAAAAAAAAAAAAAAAAAAAAAAAAAAAAAAAAAAAAAAAAAAAAAAAAAAAAAAAAAAAAAAAAAAAAAAAAAFAAAADwAAAAAAAAAAAAAAAAAAAAPAAAAAQAAACMAAAAjAAAAIwAAAB4AAAAAAAAAZAAAAGQAAAAAAAAAZAAAAGQAAAAVAAAAYAAAAAAAAAAAAAAADwAAACADAAAAAAAAAAAAAAEAAACgMgAAVgcAAKr4//8BAAAAf39/AAEAAABkAAAAAAAAABQAAABAHwAAAAAAACYAAAAAAAAAwOD//wAAAAAmAAAAZAAAABYAAABMAAAAAAAAAAAAAAAEAAAAAAAAAAEAAADu7OEKAAAAACgAAAAoAAAAZAAAAGQAAAAAAAAAzMzMAAAAAABQAAAAUAAAAGQAAABkAAAAAAAAABcAAAAUAAAAAAAAAAAAAAD/fwAA/38AAAAAAAAJAAAABAAAAAAAAAAMAAAAEAAAAAAAAAAAAAAAAAAAAAAAAAAeAAAAaAAAAAAAAAAAAAAAAAAAAAAAAAAAAAAAECcAABAnAAAAAAAAAAAAAAAAAAAAAAAAAAAAAAAAAAAAAAAAAAAAABQAAAAAAAAAwMD/AAAAAABkAAAAMgAAAAAAAABkAAAAAAAAAH9/fwAKAAAAHwAAAFQAAAD///8AAAAAAQAAAAAAAAAAAAAAAAAAAAAAAAAAAAAAAAAAAAAAAAAAAAAAAH9/fwAAAAADzMzMAMDA/wB/f38AAAAAAAAAAAAAAAAAAAAAAAAAAAAhAAAAGAAAABQAAADqAQAA4DgAAPAKAACYOgAAEAAAACYAAAAIAAAAPJAAAAAAAAA="/>
               </a:ext>
             </a:extLst>
           </p:cNvSpPr>
@@ -2744,7 +3270,7 @@
             <a:spLocks noGrp="1" noChangeArrowheads="1"/>
             <a:extLst>
               <a:ext uri="smNativeData">
-                <pr:smNativeData xmlns:pr="smNativeData" xmlns:p14="http://schemas.microsoft.com/office/powerpoint/2010/main" xmlns="" val="SMDATA_13_eIVQYBMAAAAlAAAAEgAAAA0AAAAAAAAAAAAAAAAAAAAAAAAAAAAAAAAAAAAAAAAAAAEAAABQAAAAAAAAAAAA4D8AAAAAAADgPwAAAAAAAOA/AAAAAAAA4D8AAAAAAADgPwAAAAAAAOA/AAAAAAAA4D8AAAAAAADgPwAAAAAAAOA/AAAAAAAA4D8CAAAAjAAAAAAAAAAAAAAA////AP///wgAAAAAAAAAAAAAAAAAAAAAAAAAAAAAAAAAAAAAeAAAAAEAAABAAAAAAAAAAAAAAABaAAAAAAAAAAAAAAAAAAAAAAAAAAAAAAAAAAAAAAAAAAAAAAAAAAAAAAAAAAAAAAAAAAAAAAAAAAAAAAAAAAAAAAAAAAAAAAAAAAAAFAAAADwAAAAAAAAAAAAAAAAAAAAPAAAAAQAAACMAAAAjAAAAIwAAAB4AAAAAAAAAZAAAAGQAAAAAAAAAZAAAAGQAAAAVAAAAYAAAAAAAAAAAAAAADwAAACADAAAAAAAAAAAAAAEAAACgMgAAVgcAAKr4//8BAAAAf39/AAEAAABkAAAAAAAAABQAAABAHwAAAAAAACYAAAAAAAAAwOD//wAAAAAmAAAAZAAAABYAAABMAAAAAAAAAAAAAAAEAAAAAAAAAAEAAADu7OEKAAAAACgAAAAoAAAAZAAAAGQAAAAAAAAAzMzMAAAAAABQAAAAUAAAAGQAAABkAAAAAAAAABcAAAAUAAAAAAAAAAAAAAD/fwAA/38AAAAAAAAJAAAABAAAADgAQwAMAAAAEAAAAAAAAAAAAAAAAAAAAAAAAAAeAAAAaAAAAAAAAAAAAAAAAAAAAAAAAAAAAAAAECcAABAnAAAAAAAAAAAAAAAAAAAAAAAAAAAAAAAAAAAAAAAAAAAAABQAAAAAAAAAwMD/AAAAAABkAAAAMgAAAAAAAABkAAAAAAAAAH9/fwAKAAAAHwAAAFQAAAD///8AAAAAAQAAAAAAAAAAAAAAAAAAAAAAAAAAAAAAAAAAAAAAAAAAAAAAAH9/fwAAAAADzMzMAMDA/wB/f38AAAAAAAAAAAAAAAAAAAAAAAAAAAAhAAAAGAAAABQAAAAAAAAAAAAAAAAAAAAAAAAAEAAAACYAAAAIAAAAPJEAAAAAAAA="/>
+                <pr:smNativeData xmlns="" xmlns:p14="http://schemas.microsoft.com/office/powerpoint/2010/main" xmlns:pr="smNativeData" val="SMDATA_13_eIVQYBMAAAAlAAAAEgAAAA0AAAAAAAAAAAAAAAAAAAAAAAAAAAAAAAAAAAAAAAAAAAEAAABQAAAAAAAAAAAA4D8AAAAAAADgPwAAAAAAAOA/AAAAAAAA4D8AAAAAAADgPwAAAAAAAOA/AAAAAAAA4D8AAAAAAADgPwAAAAAAAOA/AAAAAAAA4D8CAAAAjAAAAAAAAAAAAAAA////AP///wgAAAAAAAAAAAAAAAAAAAAAAAAAAAAAAAAAAAAAeAAAAAEAAABAAAAAAAAAAAAAAABaAAAAAAAAAAAAAAAAAAAAAAAAAAAAAAAAAAAAAAAAAAAAAAAAAAAAAAAAAAAAAAAAAAAAAAAAAAAAAAAAAAAAAAAAAAAAAAAAAAAAFAAAADwAAAAAAAAAAAAAAAAAAAAPAAAAAQAAACMAAAAjAAAAIwAAAB4AAAAAAAAAZAAAAGQAAAAAAAAAZAAAAGQAAAAVAAAAYAAAAAAAAAAAAAAADwAAACADAAAAAAAAAAAAAAEAAACgMgAAVgcAAKr4//8BAAAAf39/AAEAAABkAAAAAAAAABQAAABAHwAAAAAAACYAAAAAAAAAwOD//wAAAAAmAAAAZAAAABYAAABMAAAAAAAAAAAAAAAEAAAAAAAAAAEAAADu7OEKAAAAACgAAAAoAAAAZAAAAGQAAAAAAAAAzMzMAAAAAABQAAAAUAAAAGQAAABkAAAAAAAAABcAAAAUAAAAAAAAAAAAAAD/fwAA/38AAAAAAAAJAAAABAAAADgAQwAMAAAAEAAAAAAAAAAAAAAAAAAAAAAAAAAeAAAAaAAAAAAAAAAAAAAAAAAAAAAAAAAAAAAAECcAABAnAAAAAAAAAAAAAAAAAAAAAAAAAAAAAAAAAAAAAAAAAAAAABQAAAAAAAAAwMD/AAAAAABkAAAAMgAAAAAAAABkAAAAAAAAAH9/fwAKAAAAHwAAAFQAAAD///8AAAAAAQAAAAAAAAAAAAAAAAAAAAAAAAAAAAAAAAAAAAAAAAAAAAAAAH9/fwAAAAADzMzMAMDA/wB/f38AAAAAAAAAAAAAAAAAAAAAAAAAAAAhAAAAGAAAABQAAAAAAAAAAAAAAAAAAAAAAAAAEAAAACYAAAAIAAAAPJEAAAAAAAA="/>
               </a:ext>
             </a:extLst>
           </p:cNvSpPr>
@@ -2814,7 +3340,7 @@
             <a:spLocks noGrp="1" noChangeArrowheads="1"/>
             <a:extLst>
               <a:ext uri="smNativeData">
-                <pr:smNativeData xmlns:pr="smNativeData" xmlns:p14="http://schemas.microsoft.com/office/powerpoint/2010/main" xmlns="" val="SMDATA_13_eIVQYBMAAAAlAAAAZAAAAA0AAAAAAAAAAAAAAAAAAAAAAAAAAAAAAAAAAAAAAAAAAAEAAABQAAAAAAAAAAAA4D8AAAAAAADgPwAAAAAAAOA/AAAAAAAA4D8AAAAAAADgPwAAAAAAAOA/AAAAAAAA4D8AAAAAAADgPwAAAAAAAOA/AAAAAAAA4D8CAAAAjAAAAAAAAAAAAAAA////AP///wgAAAAAAAAAAAAAAAAAAAAAAAAAAAAAAAAAAAAAeAAAAAEAAABAAAAAAAAAAAAAAABaAAAAAAAAAAAAAAAAAAAAAAAAAAAAAAAAAAAAAAAAAAAAAAAAAAAAAAAAAAAAAAAAAAAAAAAAAAAAAAAAAAAAAAAAAAAAAAAAAAAAFAAAADwAAAAAAAAAAAAAAAAAAAAPAAAAAQAAACMAAAAjAAAAIwAAAB4AAAAAAAAAZAAAAGQAAAAAAAAAZAAAAGQAAAAVAAAAYAAAAAAAAAAAAAAADwAAACADAAAAAAAAAAAAAAEAAACgMgAAVgcAAKr4//8BAAAAf39/AAEAAABkAAAAAAAAABQAAABAHwAAAAAAACYAAAAAAAAAwOD//wAAAAAmAAAAZAAAABYAAABMAAAAAAAAAAAAAAAEAAAAAAAAAAEAAADu7OEKAAAAACgAAAAoAAAAZAAAAGQAAAAAAAAAzMzMAAAAAABQAAAAUAAAAGQAAABkAAAAAAAAABcAAAAUAAAAAAAAAAAAAAD/fwAA/38AAAAAAAAJAAAABAAAAAAAAAAMAAAAEAAAAAAAAAAAAAAAAAAAAAAAAAAeAAAAaAAAAAAAAAAAAAAAAAAAAAAAAAAAAAAAECcAABAnAAAAAAAAAAAAAAAAAAAAAAAAAAAAAAAAAAAAAAAAAAAAABQAAAAAAAAAwMD/AAAAAABkAAAAMgAAAAAAAABkAAAAAAAAAH9/fwAKAAAAHwAAAFQAAAD///8AAAAAAQAAAAAAAAAAAAAAAAAAAAAAAAAAAAAAAAAAAAAAAAAAAAAAAH9/fwAAAAADzMzMAMDA/wB/f38AAAAAAAAAAAAAAAAAAAAAAAAAAAAhAAAAGAAAABQAAADQSAAAGDkAABZOAACYOgAAEAAAACYAAAAIAAAAPJAAAAAAAAA="/>
+                <pr:smNativeData xmlns="" xmlns:p14="http://schemas.microsoft.com/office/powerpoint/2010/main" xmlns:pr="smNativeData" val="SMDATA_13_eIVQYBMAAAAlAAAAZAAAAA0AAAAAAAAAAAAAAAAAAAAAAAAAAAAAAAAAAAAAAAAAAAEAAABQAAAAAAAAAAAA4D8AAAAAAADgPwAAAAAAAOA/AAAAAAAA4D8AAAAAAADgPwAAAAAAAOA/AAAAAAAA4D8AAAAAAADgPwAAAAAAAOA/AAAAAAAA4D8CAAAAjAAAAAAAAAAAAAAA////AP///wgAAAAAAAAAAAAAAAAAAAAAAAAAAAAAAAAAAAAAeAAAAAEAAABAAAAAAAAAAAAAAABaAAAAAAAAAAAAAAAAAAAAAAAAAAAAAAAAAAAAAAAAAAAAAAAAAAAAAAAAAAAAAAAAAAAAAAAAAAAAAAAAAAAAAAAAAAAAAAAAAAAAFAAAADwAAAAAAAAAAAAAAAAAAAAPAAAAAQAAACMAAAAjAAAAIwAAAB4AAAAAAAAAZAAAAGQAAAAAAAAAZAAAAGQAAAAVAAAAYAAAAAAAAAAAAAAADwAAACADAAAAAAAAAAAAAAEAAACgMgAAVgcAAKr4//8BAAAAf39/AAEAAABkAAAAAAAAABQAAABAHwAAAAAAACYAAAAAAAAAwOD//wAAAAAmAAAAZAAAABYAAABMAAAAAAAAAAAAAAAEAAAAAAAAAAEAAADu7OEKAAAAACgAAAAoAAAAZAAAAGQAAAAAAAAAzMzMAAAAAABQAAAAUAAAAGQAAABkAAAAAAAAABcAAAAUAAAAAAAAAAAAAAD/fwAA/38AAAAAAAAJAAAABAAAAAAAAAAMAAAAEAAAAAAAAAAAAAAAAAAAAAAAAAAeAAAAaAAAAAAAAAAAAAAAAAAAAAAAAAAAAAAAECcAABAnAAAAAAAAAAAAAAAAAAAAAAAAAAAAAAAAAAAAAAAAAAAAABQAAAAAAAAAwMD/AAAAAABkAAAAMgAAAAAAAABkAAAAAAAAAH9/fwAKAAAAHwAAAFQAAAD///8AAAAAAQAAAAAAAAAAAAAAAAAAAAAAAAAAAAAAAAAAAAAAAAAAAAAAAH9/fwAAAAADzMzMAMDA/wB/f38AAAAAAAAAAAAAAAAAAAAAAAAAAAAhAAAAGAAAABQAAADQSAAAGDkAABZOAACYOgAAEAAAACYAAAAIAAAAPJAAAAAAAAA="/>
               </a:ext>
             </a:extLst>
           </p:cNvSpPr>
@@ -2904,7 +3430,7 @@
           <p:cNvSpPr>
             <a:extLst>
               <a:ext uri="smNativeData">
-                <pr:smNativeData xmlns:pr="smNativeData" xmlns:p14="http://schemas.microsoft.com/office/powerpoint/2010/main" xmlns="" val="SMDATA_13_eIVQYBMAAAAlAAAACwAAAA0AAAAAAAAAAAAAAAAAAAAAAAAAAAAAAAAAAAAAAAAAAAEAAABQAAAAAAAAAAAA4D8AAAAAAADgPwAAAAAAAOA/AAAAAAAA4D8AAAAAAADgPwAAAAAAAOA/AAAAAAAA4D8AAAAAAADgPwAAAAAAAOA/AAAAAAAA4D8CAAAAjAAAAAEAAAADAAAAECU/AA+W1AAAAAAAAAAAAAAAAAAAAAAAAAAAAAAAAAAAAAAAeAAAAAEAAABAAAAAZAAAAAAAAABoAQAAAAAAAAAAAAAAAAAAAAAAAAAAAAAAAAAAAAAAAAAAAAAAAAAAAAAAAAAAAAAAAAAAAAAAAAAAAAAAAAAAAAAAAAAAAAAAAAAAFAAAADwAAAAAAAAAAAAAAAAAAAkUAAAAAQAAABQAAAAUAAAAFAAAAAEAAAAAAAAAZAAAAGQAAAAAAAAAZAAAAGQAAAAVAAAAYAAAAAAAAAAAAAAADwAAACADAAAAAAAAAAAAAAEAAACgMgAAVgcAAKr4//8BAAAAf39/AAEAAABkAAAAAAAAABQAAABAHwAAAAAAACYAAAAAAAAAwOD//wAAAAAmAAAAZAAAABYAAABMAAAAAAAAAAAAAAAEAAAAAAAAAAEAAADu7OEKAAAAACgAAAAoAAAAZAAAAGQAAAAAAAAAzMzMAAAAAABQAAAAUAAAAGQAAABkAAAAAAAAABcAAAAUAAAAAAAAAAAAAAD/fwAA/38AAAAAAAAJAAAABAAAAC4AAAAMAAAAEAAAAAAAAAAAAAAAAAAAAAAAAAAeAAAAaAAAAAEAAAAAAAAAAAAAAAAAAAAAAAAAECcAABAnAAAAAAAAAAAAAAAAAAAAAAAAAAAAAAAAAAAAAAAAAAAAABQAAAAAAAAAwMD/AAAAAAAAAAAAAAAAAAAAAABkAAAAAAAAAH9/fwAKAAAAHwAAAFQAAAAQJT8AD5bUAAAAAAAAAAAAAAAAAAAAAAAAAAAAAAAAAAAAAAAAAAAAAAAAAn9/fwAAAAADzMzMAMDA/wB/f38AAAAAAAAAAAAAAAAAAAAAAAAAAAAhAAAAGAAAABQAAAAAAAAAoggAAABQAACUDgAAEAAAACYAAAAIAAAA//////////8="/>
+                <pr:smNativeData xmlns="" xmlns:p14="http://schemas.microsoft.com/office/powerpoint/2010/main" xmlns:pr="smNativeData" val="SMDATA_13_eIVQYBMAAAAlAAAACwAAAA0AAAAAAAAAAAAAAAAAAAAAAAAAAAAAAAAAAAAAAAAAAAEAAABQAAAAAAAAAAAA4D8AAAAAAADgPwAAAAAAAOA/AAAAAAAA4D8AAAAAAADgPwAAAAAAAOA/AAAAAAAA4D8AAAAAAADgPwAAAAAAAOA/AAAAAAAA4D8CAAAAjAAAAAEAAAADAAAAECU/AA+W1AAAAAAAAAAAAAAAAAAAAAAAAAAAAAAAAAAAAAAAeAAAAAEAAABAAAAAZAAAAAAAAABoAQAAAAAAAAAAAAAAAAAAAAAAAAAAAAAAAAAAAAAAAAAAAAAAAAAAAAAAAAAAAAAAAAAAAAAAAAAAAAAAAAAAAAAAAAAAAAAAAAAAFAAAADwAAAAAAAAAAAAAAAAAAAkUAAAAAQAAABQAAAAUAAAAFAAAAAEAAAAAAAAAZAAAAGQAAAAAAAAAZAAAAGQAAAAVAAAAYAAAAAAAAAAAAAAADwAAACADAAAAAAAAAAAAAAEAAACgMgAAVgcAAKr4//8BAAAAf39/AAEAAABkAAAAAAAAABQAAABAHwAAAAAAACYAAAAAAAAAwOD//wAAAAAmAAAAZAAAABYAAABMAAAAAAAAAAAAAAAEAAAAAAAAAAEAAADu7OEKAAAAACgAAAAoAAAAZAAAAGQAAAAAAAAAzMzMAAAAAABQAAAAUAAAAGQAAABkAAAAAAAAABcAAAAUAAAAAAAAAAAAAAD/fwAA/38AAAAAAAAJAAAABAAAAC4AAAAMAAAAEAAAAAAAAAAAAAAAAAAAAAAAAAAeAAAAaAAAAAEAAAAAAAAAAAAAAAAAAAAAAAAAECcAABAnAAAAAAAAAAAAAAAAAAAAAAAAAAAAAAAAAAAAAAAAAAAAABQAAAAAAAAAwMD/AAAAAAAAAAAAAAAAAAAAAABkAAAAAAAAAH9/fwAKAAAAHwAAAFQAAAAQJT8AD5bUAAAAAAAAAAAAAAAAAAAAAAAAAAAAAAAAAAAAAAAAAAAAAAAAAn9/fwAAAAADzMzMAMDA/wB/f38AAAAAAAAAAAAAAAAAAAAAAAAAAAAhAAAAGAAAABQAAAAAAAAAoggAAABQAACUDgAAEAAAACYAAAAIAAAA//////////8="/>
               </a:ext>
             </a:extLst>
           </p:cNvSpPr>
@@ -2977,7 +3503,7 @@
             <a:spLocks noGrp="1" noChangeArrowheads="1"/>
             <a:extLst>
               <a:ext uri="smNativeData">
-                <pr:smNativeData xmlns:pr="smNativeData" xmlns:p14="http://schemas.microsoft.com/office/powerpoint/2010/main" xmlns="" val="SMDATA_13_eIVQYBMAAAAlAAAAZAAAAA0AAAAAAAAAAAAAAAAAAAAAAAAAAAAAAAAAAAAAAAAAAAEAAABQAAAAAAAAAAAA4D8AAAAAAADgPwAAAAAAAOA/AAAAAAAA4D8AAAAAAADgPwAAAAAAAOA/AAAAAAAA4D8AAAAAAADgPwAAAAAAAOA/AAAAAAAA4D8CAAAAjAAAAAAAAAAAAAAA////AP///wgAAAAAAAAAAAAAAAAAAAAAAAAAAAAAAAAAAAAAeAAAAAEAAABAAAAAAAAAAAAAAABaAAAAAAAAAAAAAAAAAAAAAAAAAAAAAAAAAAAAAAAAAAAAAAAAAAAAAAAAAAAAAAAAAAAAAAAAAAAAAAAAAAAAAAAAAAAAAAAAAAAAFAAAADwAAAAAAAAAAAAAAAAAAAAPAAAAAQAAACMAAAAjAAAAIwAAAB4AAAAAAAAAZAAAAGQAAAAAAAAAZAAAAGQAAAAVAAAAYAAAAAAAAAAAAAAADwAAACADAAAAAAAAAAAAAAEAAACgMgAAVgcAAKr4//8BAAAAf39/AAEAAABkAAAAAAAAABQAAABAHwAAAAAAACYAAAAAAAAAwOD//wAAAAAmAAAAZAAAABYAAABMAAAAAAAAAAAAAAAEAAAAAAAAAAEAAADu7OEKAAAAACgAAAAoAAAAZAAAAGQAAAAAAAAAzMzMAAAAAABQAAAAUAAAAGQAAABkAAAAAAAAABcAAAAUAAAAAAAAAAAAAAD/fwAA/38AAAAAAAAJAAAABAAAAAAAAAAMAAAAEAAAAAAAAAAAAAAAAAAAAAAAAAAeAAAAaAAAAAAAAAAAAAAAAAAAAAAAAAAAAAAAECcAABAnAAAAAAAAAAAAAAAAAAAAAAAAAAAAAAAAAAAAAAAAAAAAABQAAAAAAAAAwMD/AAAAAABkAAAAMgAAAAAAAABkAAAAAAAAAH9/fwAKAAAAHwAAAFQAAAD///8AAAAAAQAAAAAAAAAAAAAAAAAAAAAAAAAAAAAAAAAAAAAAAAAAAAAAAH9/fwAAAAADzMzMAMDA/wB/f38AAAAAAAAAAAAAAAAAAAAAAAAAAAAhAAAAGAAAABQAAAAQJwAAlA4AABpQAACYNwAAEAAAACYAAAAIAAAAPRAAAAAAAAA="/>
+                <pr:smNativeData xmlns="" xmlns:p14="http://schemas.microsoft.com/office/powerpoint/2010/main" xmlns:pr="smNativeData" val="SMDATA_13_eIVQYBMAAAAlAAAAZAAAAA0AAAAAAAAAAAAAAAAAAAAAAAAAAAAAAAAAAAAAAAAAAAEAAABQAAAAAAAAAAAA4D8AAAAAAADgPwAAAAAAAOA/AAAAAAAA4D8AAAAAAADgPwAAAAAAAOA/AAAAAAAA4D8AAAAAAADgPwAAAAAAAOA/AAAAAAAA4D8CAAAAjAAAAAAAAAAAAAAA////AP///wgAAAAAAAAAAAAAAAAAAAAAAAAAAAAAAAAAAAAAeAAAAAEAAABAAAAAAAAAAAAAAABaAAAAAAAAAAAAAAAAAAAAAAAAAAAAAAAAAAAAAAAAAAAAAAAAAAAAAAAAAAAAAAAAAAAAAAAAAAAAAAAAAAAAAAAAAAAAAAAAAAAAFAAAADwAAAAAAAAAAAAAAAAAAAAPAAAAAQAAACMAAAAjAAAAIwAAAB4AAAAAAAAAZAAAAGQAAAAAAAAAZAAAAGQAAAAVAAAAYAAAAAAAAAAAAAAADwAAACADAAAAAAAAAAAAAAEAAACgMgAAVgcAAKr4//8BAAAAf39/AAEAAABkAAAAAAAAABQAAABAHwAAAAAAACYAAAAAAAAAwOD//wAAAAAmAAAAZAAAABYAAABMAAAAAAAAAAAAAAAEAAAAAAAAAAEAAADu7OEKAAAAACgAAAAoAAAAZAAAAGQAAAAAAAAAzMzMAAAAAABQAAAAUAAAAGQAAABkAAAAAAAAABcAAAAUAAAAAAAAAAAAAAD/fwAA/38AAAAAAAAJAAAABAAAAAAAAAAMAAAAEAAAAAAAAAAAAAAAAAAAAAAAAAAeAAAAaAAAAAAAAAAAAAAAAAAAAAAAAAAAAAAAECcAABAnAAAAAAAAAAAAAAAAAAAAAAAAAAAAAAAAAAAAAAAAAAAAABQAAAAAAAAAwMD/AAAAAABkAAAAMgAAAAAAAABkAAAAAAAAAH9/fwAKAAAAHwAAAFQAAAD///8AAAAAAQAAAAAAAAAAAAAAAAAAAAAAAAAAAAAAAAAAAAAAAAAAAAAAAH9/fwAAAAADzMzMAMDA/wB/f38AAAAAAAAAAAAAAAAAAAAAAAAAAAAhAAAAGAAAABQAAAAQJwAAlA4AABpQAACYNwAAEAAAACYAAAAIAAAAPRAAAAAAAAA="/>
               </a:ext>
             </a:extLst>
           </p:cNvSpPr>
@@ -3013,7 +3539,7 @@
             <a:spLocks noGrp="1" noChangeArrowheads="1"/>
             <a:extLst>
               <a:ext uri="smNativeData">
-                <pr:smNativeData xmlns:pr="smNativeData" xmlns:p14="http://schemas.microsoft.com/office/powerpoint/2010/main" xmlns="" val="SMDATA_13_eIVQYBMAAAAlAAAAZAAAAA0AAAAAAAAAAAAAAAAAAAAAAAAAAAAAAAAAAAAAAAAAAAEAAABQAAAAAAAAAAAA4D8AAAAAAADgPwAAAAAAAOA/AAAAAAAA4D8AAAAAAADgPwAAAAAAAOA/AAAAAAAA4D8AAAAAAADgPwAAAAAAAOA/AAAAAAAA4D8CAAAAjAAAAAAAAAAAAAAA////AP///wgAAAAAAAAAAAAAAAAAAAAAAAAAAAAAAAAAAAAAeAAAAAEAAABAAAAAAAAAAAAAAABaAAAAAAAAAAAAAAAAAAAAAAAAAAAAAAAAAAAAAAAAAAAAAAAAAAAAAAAAAAAAAAAAAAAAAAAAAAAAAAAAAAAAAAAAAAAAAAAAAAAAFAAAADwAAAAAAAAAAAAAAAAAAAAPAAAAAQAAACMAAAAjAAAAIwAAAB4AAAAAAAAAZAAAAGQAAAAAAAAAZAAAAGQAAAAVAAAAYAAAAAAAAAAAAAAADwAAACADAAAAAAAAAAAAAAEAAACgMgAAVgcAAKr4//8BAAAAf39/AAEAAABkAAAAAAAAABQAAABAHwAAAAAAACYAAAAAAAAAwOD//wAAAAAmAAAAZAAAABYAAABMAAAAAAAAAAAAAAAEAAAAAAAAAAEAAADu7OEKAAAAACgAAAAoAAAAZAAAAGQAAAAAAAAAzMzMAAAAAABQAAAAUAAAAGQAAABkAAAAAAAAABcAAAAUAAAAAAAAAAAAAAD/fwAA/38AAAAAAAAJAAAABAAAAAAAAAAMAAAAEAAAAAAAAAAAAAAAAAAAAAAAAAAeAAAAaAAAAAAAAAAAAAAAAAAAAAAAAAAAAAAAECcAABAnAAAAAAAAAAAAAAAAAAAAAAAAAAAAAAAAAAAAAAAAAAAAABQAAAAAAAAAwMD/AAAAAABkAAAAMgAAAAAAAABkAAAAAAAAAH9/fwAKAAAAHwAAAFQAAAD///8AAAAAAQAAAAAAAAAAAAAAAAAAAAAAAAAAAAAAAAAAAAAAAAAAAAAAAH9/fwAAAAADzMzMAMDA/wB/f38AAAAAAAAAAAAAAAAAAAAAAAAAAAAhAAAAGAAAABQAAADqAQAA4DgAAPAKAACYOgAAEAAAACYAAAAIAAAAPJAAAAAAAAA="/>
+                <pr:smNativeData xmlns="" xmlns:p14="http://schemas.microsoft.com/office/powerpoint/2010/main" xmlns:pr="smNativeData" val="SMDATA_13_eIVQYBMAAAAlAAAAZAAAAA0AAAAAAAAAAAAAAAAAAAAAAAAAAAAAAAAAAAAAAAAAAAEAAABQAAAAAAAAAAAA4D8AAAAAAADgPwAAAAAAAOA/AAAAAAAA4D8AAAAAAADgPwAAAAAAAOA/AAAAAAAA4D8AAAAAAADgPwAAAAAAAOA/AAAAAAAA4D8CAAAAjAAAAAAAAAAAAAAA////AP///wgAAAAAAAAAAAAAAAAAAAAAAAAAAAAAAAAAAAAAeAAAAAEAAABAAAAAAAAAAAAAAABaAAAAAAAAAAAAAAAAAAAAAAAAAAAAAAAAAAAAAAAAAAAAAAAAAAAAAAAAAAAAAAAAAAAAAAAAAAAAAAAAAAAAAAAAAAAAAAAAAAAAFAAAADwAAAAAAAAAAAAAAAAAAAAPAAAAAQAAACMAAAAjAAAAIwAAAB4AAAAAAAAAZAAAAGQAAAAAAAAAZAAAAGQAAAAVAAAAYAAAAAAAAAAAAAAADwAAACADAAAAAAAAAAAAAAEAAACgMgAAVgcAAKr4//8BAAAAf39/AAEAAABkAAAAAAAAABQAAABAHwAAAAAAACYAAAAAAAAAwOD//wAAAAAmAAAAZAAAABYAAABMAAAAAAAAAAAAAAAEAAAAAAAAAAEAAADu7OEKAAAAACgAAAAoAAAAZAAAAGQAAAAAAAAAzMzMAAAAAABQAAAAUAAAAGQAAABkAAAAAAAAABcAAAAUAAAAAAAAAAAAAAD/fwAA/38AAAAAAAAJAAAABAAAAAAAAAAMAAAAEAAAAAAAAAAAAAAAAAAAAAAAAAAeAAAAaAAAAAAAAAAAAAAAAAAAAAAAAAAAAAAAECcAABAnAAAAAAAAAAAAAAAAAAAAAAAAAAAAAAAAAAAAAAAAAAAAABQAAAAAAAAAwMD/AAAAAABkAAAAMgAAAAAAAABkAAAAAAAAAH9/fwAKAAAAHwAAAFQAAAD///8AAAAAAQAAAAAAAAAAAAAAAAAAAAAAAAAAAAAAAAAAAAAAAAAAAAAAAH9/fwAAAAADzMzMAMDA/wB/f38AAAAAAAAAAAAAAAAAAAAAAAAAAAAhAAAAGAAAABQAAADqAQAA4DgAAPAKAACYOgAAEAAAACYAAAAIAAAAPJAAAAAAAAA="/>
               </a:ext>
             </a:extLst>
           </p:cNvSpPr>
@@ -3079,7 +3605,7 @@
             <a:spLocks noGrp="1" noChangeArrowheads="1"/>
             <a:extLst>
               <a:ext uri="smNativeData">
-                <pr:smNativeData xmlns:pr="smNativeData" xmlns:p14="http://schemas.microsoft.com/office/powerpoint/2010/main" xmlns="" val="SMDATA_13_eIVQYBMAAAAlAAAAEgAAAA0AAAAAAAAAAAAAAAAAAAAAAAAAAAAAAAAAAAAAAAAAAAEAAABQAAAAAAAAAAAA4D8AAAAAAADgPwAAAAAAAOA/AAAAAAAA4D8AAAAAAADgPwAAAAAAAOA/AAAAAAAA4D8AAAAAAADgPwAAAAAAAOA/AAAAAAAA4D8CAAAAjAAAAAAAAAAAAAAA////AP///wgAAAAAAAAAAAAAAAAAAAAAAAAAAAAAAAAAAAAAeAAAAAEAAABAAAAAAAAAAAAAAABaAAAAAAAAAAAAAAAAAAAAAAAAAAAAAAAAAAAAAAAAAAAAAAAAAAAAAAAAAAAAAAAAAAAAAAAAAAAAAAAAAAAAAAAAAAAAAAAAAAAAFAAAADwAAAAAAAAAAAAAAAAAAAAPAAAAAQAAACMAAAAjAAAAIwAAAB4AAAAAAAAAZAAAAGQAAAAAAAAAZAAAAGQAAAAVAAAAYAAAAAAAAAAAAAAADwAAACADAAAAAAAAAAAAAAEAAACgMgAAVgcAAKr4//8BAAAAf39/AAEAAABkAAAAAAAAABQAAABAHwAAAAAAACYAAAAAAAAAwOD//wAAAAAmAAAAZAAAABYAAABMAAAAAAAAAAAAAAAEAAAAAAAAAAEAAADu7OEKAAAAACgAAAAoAAAAZAAAAGQAAAAAAAAAzMzMAAAAAABQAAAAUAAAAGQAAABkAAAAAAAAABcAAAAUAAAAAAAAAAAAAAD/fwAA/38AAAAAAAAJAAAABAAAADgAQwAMAAAAEAAAAAAAAAAAAAAAAAAAAAAAAAAeAAAAaAAAAAAAAAAAAAAAAAAAAAAAAAAAAAAAECcAABAnAAAAAAAAAAAAAAAAAAAAAAAAAAAAAAAAAAAAAAAAAAAAABQAAAAAAAAAwMD/AAAAAABkAAAAMgAAAAAAAABkAAAAAAAAAH9/fwAKAAAAHwAAAFQAAAD///8AAAAAAQAAAAAAAAAAAAAAAAAAAAAAAAAAAAAAAAAAAAAAAAAAAAAAAH9/fwAAAAADzMzMAMDA/wB/f38AAAAAAAAAAAAAAAAAAAAAAAAAAAAhAAAAGAAAABQAAAAAAAAAAAAAAAAAAAAAAAAAEAAAACYAAAAIAAAAPJEAAAAAAAA="/>
+                <pr:smNativeData xmlns="" xmlns:p14="http://schemas.microsoft.com/office/powerpoint/2010/main" xmlns:pr="smNativeData" val="SMDATA_13_eIVQYBMAAAAlAAAAEgAAAA0AAAAAAAAAAAAAAAAAAAAAAAAAAAAAAAAAAAAAAAAAAAEAAABQAAAAAAAAAAAA4D8AAAAAAADgPwAAAAAAAOA/AAAAAAAA4D8AAAAAAADgPwAAAAAAAOA/AAAAAAAA4D8AAAAAAADgPwAAAAAAAOA/AAAAAAAA4D8CAAAAjAAAAAAAAAAAAAAA////AP///wgAAAAAAAAAAAAAAAAAAAAAAAAAAAAAAAAAAAAAeAAAAAEAAABAAAAAAAAAAAAAAABaAAAAAAAAAAAAAAAAAAAAAAAAAAAAAAAAAAAAAAAAAAAAAAAAAAAAAAAAAAAAAAAAAAAAAAAAAAAAAAAAAAAAAAAAAAAAAAAAAAAAFAAAADwAAAAAAAAAAAAAAAAAAAAPAAAAAQAAACMAAAAjAAAAIwAAAB4AAAAAAAAAZAAAAGQAAAAAAAAAZAAAAGQAAAAVAAAAYAAAAAAAAAAAAAAADwAAACADAAAAAAAAAAAAAAEAAACgMgAAVgcAAKr4//8BAAAAf39/AAEAAABkAAAAAAAAABQAAABAHwAAAAAAACYAAAAAAAAAwOD//wAAAAAmAAAAZAAAABYAAABMAAAAAAAAAAAAAAAEAAAAAAAAAAEAAADu7OEKAAAAACgAAAAoAAAAZAAAAGQAAAAAAAAAzMzMAAAAAABQAAAAUAAAAGQAAABkAAAAAAAAABcAAAAUAAAAAAAAAAAAAAD/fwAA/38AAAAAAAAJAAAABAAAADgAQwAMAAAAEAAAAAAAAAAAAAAAAAAAAAAAAAAeAAAAaAAAAAAAAAAAAAAAAAAAAAAAAAAAAAAAECcAABAnAAAAAAAAAAAAAAAAAAAAAAAAAAAAAAAAAAAAAAAAAAAAABQAAAAAAAAAwMD/AAAAAABkAAAAMgAAAAAAAABkAAAAAAAAAH9/fwAKAAAAHwAAAFQAAAD///8AAAAAAQAAAAAAAAAAAAAAAAAAAAAAAAAAAAAAAAAAAAAAAAAAAAAAAH9/fwAAAAADzMzMAMDA/wB/f38AAAAAAAAAAAAAAAAAAAAAAAAAAAAhAAAAGAAAABQAAAAAAAAAAAAAAAAAAAAAAAAAEAAAACYAAAAIAAAAPJEAAAAAAAA="/>
               </a:ext>
             </a:extLst>
           </p:cNvSpPr>
@@ -3149,7 +3675,7 @@
             <a:spLocks noGrp="1" noChangeArrowheads="1"/>
             <a:extLst>
               <a:ext uri="smNativeData">
-                <pr:smNativeData xmlns:pr="smNativeData" xmlns:p14="http://schemas.microsoft.com/office/powerpoint/2010/main" xmlns="" val="SMDATA_13_eIVQYBMAAAAlAAAAZAAAAA0AAAAAAAAAAAAAAAAAAAAAAAAAAAAAAAAAAAAAAAAAAAEAAABQAAAAAAAAAAAA4D8AAAAAAADgPwAAAAAAAOA/AAAAAAAA4D8AAAAAAADgPwAAAAAAAOA/AAAAAAAA4D8AAAAAAADgPwAAAAAAAOA/AAAAAAAA4D8CAAAAjAAAAAAAAAAAAAAA////AP///wgAAAAAAAAAAAAAAAAAAAAAAAAAAAAAAAAAAAAAeAAAAAEAAABAAAAAAAAAAAAAAABaAAAAAAAAAAAAAAAAAAAAAAAAAAAAAAAAAAAAAAAAAAAAAAAAAAAAAAAAAAAAAAAAAAAAAAAAAAAAAAAAAAAAAAAAAAAAAAAAAAAAFAAAADwAAAAAAAAAAAAAAAAAAAAPAAAAAQAAACMAAAAjAAAAIwAAAB4AAAAAAAAAZAAAAGQAAAAAAAAAZAAAAGQAAAAVAAAAYAAAAAAAAAAAAAAADwAAACADAAAAAAAAAAAAAAEAAACgMgAAVgcAAKr4//8BAAAAf39/AAEAAABkAAAAAAAAABQAAABAHwAAAAAAACYAAAAAAAAAwOD//wAAAAAmAAAAZAAAABYAAABMAAAAAAAAAAAAAAAEAAAAAAAAAAEAAADu7OEKAAAAACgAAAAoAAAAZAAAAGQAAAAAAAAAzMzMAAAAAABQAAAAUAAAAGQAAABkAAAAAAAAABcAAAAUAAAAAAAAAAAAAAD/fwAA/38AAAAAAAAJAAAABAAAAAAAAAAMAAAAEAAAAAAAAAAAAAAAAAAAAAAAAAAeAAAAaAAAAAAAAAAAAAAAAAAAAAAAAAAAAAAAECcAABAnAAAAAAAAAAAAAAAAAAAAAAAAAAAAAAAAAAAAAAAAAAAAABQAAAAAAAAAwMD/AAAAAABkAAAAMgAAAAAAAABkAAAAAAAAAH9/fwAKAAAAHwAAAFQAAAD///8AAAAAAQAAAAAAAAAAAAAAAAAAAAAAAAAAAAAAAAAAAAAAAAAAAAAAAH9/fwAAAAADzMzMAMDA/wB/f38AAAAAAAAAAAAAAAAAAAAAAAAAAAAhAAAAGAAAABQAAADQSAAAGDkAABZOAACYOgAAEAAAACYAAAAIAAAAPJAAAAAAAAA="/>
+                <pr:smNativeData xmlns="" xmlns:p14="http://schemas.microsoft.com/office/powerpoint/2010/main" xmlns:pr="smNativeData" val="SMDATA_13_eIVQYBMAAAAlAAAAZAAAAA0AAAAAAAAAAAAAAAAAAAAAAAAAAAAAAAAAAAAAAAAAAAEAAABQAAAAAAAAAAAA4D8AAAAAAADgPwAAAAAAAOA/AAAAAAAA4D8AAAAAAADgPwAAAAAAAOA/AAAAAAAA4D8AAAAAAADgPwAAAAAAAOA/AAAAAAAA4D8CAAAAjAAAAAAAAAAAAAAA////AP///wgAAAAAAAAAAAAAAAAAAAAAAAAAAAAAAAAAAAAAeAAAAAEAAABAAAAAAAAAAAAAAABaAAAAAAAAAAAAAAAAAAAAAAAAAAAAAAAAAAAAAAAAAAAAAAAAAAAAAAAAAAAAAAAAAAAAAAAAAAAAAAAAAAAAAAAAAAAAAAAAAAAAFAAAADwAAAAAAAAAAAAAAAAAAAAPAAAAAQAAACMAAAAjAAAAIwAAAB4AAAAAAAAAZAAAAGQAAAAAAAAAZAAAAGQAAAAVAAAAYAAAAAAAAAAAAAAADwAAACADAAAAAAAAAAAAAAEAAACgMgAAVgcAAKr4//8BAAAAf39/AAEAAABkAAAAAAAAABQAAABAHwAAAAAAACYAAAAAAAAAwOD//wAAAAAmAAAAZAAAABYAAABMAAAAAAAAAAAAAAAEAAAAAAAAAAEAAADu7OEKAAAAACgAAAAoAAAAZAAAAGQAAAAAAAAAzMzMAAAAAABQAAAAUAAAAGQAAABkAAAAAAAAABcAAAAUAAAAAAAAAAAAAAD/fwAA/38AAAAAAAAJAAAABAAAAAAAAAAMAAAAEAAAAAAAAAAAAAAAAAAAAAAAAAAeAAAAaAAAAAAAAAAAAAAAAAAAAAAAAAAAAAAAECcAABAnAAAAAAAAAAAAAAAAAAAAAAAAAAAAAAAAAAAAAAAAAAAAABQAAAAAAAAAwMD/AAAAAABkAAAAMgAAAAAAAABkAAAAAAAAAH9/fwAKAAAAHwAAAFQAAAD///8AAAAAAQAAAAAAAAAAAAAAAAAAAAAAAAAAAAAAAAAAAAAAAAAAAAAAAH9/fwAAAAADzMzMAMDA/wB/f38AAAAAAAAAAAAAAAAAAAAAAAAAAAAhAAAAGAAAABQAAADQSAAAGDkAABZOAACYOgAAEAAAACYAAAAIAAAAPJAAAAAAAAA="/>
               </a:ext>
             </a:extLst>
           </p:cNvSpPr>
@@ -3215,7 +3741,7 @@
             <a:spLocks noGrp="1" noChangeArrowheads="1"/>
             <a:extLst>
               <a:ext uri="smNativeData">
-                <pr:smNativeData xmlns:pr="smNativeData" xmlns:p14="http://schemas.microsoft.com/office/powerpoint/2010/main" xmlns="" val="SMDATA_13_eIVQYBMAAAAlAAAAZAAAAA0AAAAAAAAAAAAAAAAAAAAAAAAAAAAAAAAAAAAAAAAAAAEAAABQAAAAAAAAAAAA4D8AAAAAAADgPwAAAAAAAOA/AAAAAAAA4D8AAAAAAADgPwAAAAAAAOA/AAAAAAAA4D8AAAAAAADgPwAAAAAAAOA/AAAAAAAA4D8CAAAAjAAAAAAAAAAAAAAA////AP///wgAAAAAAAAAAAAAAAAAAAAAAAAAAAAAAAAAAAAAeAAAAAEAAABAAAAAAAAAAAAAAABaAAAAAAAAAAAAAAAAAAAAAAAAAAAAAAAAAAAAAAAAAAAAAAAAAAAAAAAAAAAAAAAAAAAAAAAAAAAAAAAAAAAAAAAAAAAAAAAAAAAAFAAAADwAAAAAAAAAAAAAAAAAAAAPAAAAAQAAACMAAAAjAAAAIwAAAB4AAAAAAAAAZAAAAGQAAAAAAAAAZAAAAGQAAAAVAAAAYAAAAAAAAAAAAAAADwAAACADAAAAAAAAAAAAAAEAAACgMgAAVgcAAKr4//8BAAAAf39/AAEAAABkAAAAAAAAABQAAABAHwAAAAAAACYAAAAAAAAAwOD//wAAAAAmAAAAZAAAABYAAABMAAAAAAAAAAAAAAAEAAAAAAAAAAEAAADu7OEKAAAAACgAAAAoAAAAZAAAAGQAAAAAAAAAzMzMAAAAAABQAAAAUAAAAGQAAABkAAAAAAAAABcAAAAUAAAAAAAAAAAAAAD/fwAA/38AAAAAAAAJAAAABAAAAAAAAAAMAAAAEAAAAAAAAAAAAAAAAAAAAAAAAAAeAAAAaAAAAAAAAAAAAAAAAAAAAAAAAAAAAAAAECcAABAnAAAAAAAAAAAAAAAAAAAAAAAAAAAAAAAAAAAAAAAAAAAAABQAAAAAAAAAwMD/AAAAAABkAAAAMgAAAAAAAABkAAAAAAAAAH9/fwAKAAAAHwAAAFQAAAD///8AAAAAAQAAAAAAAAAAAAAAAAAAAAAAAAAAAAAAAAAAAAAAAAAAAAAAAH9/fwAAAAADzMzMAMDA/wB/f38AAAAAAAAAAAAAAAAAAAAAAAAAAAAhAAAAGAAAABQAAABABgAAwBIAAGAiAAAGFQAAEAAAACYAAAAIAAAAPZAAAAAAAAA="/>
+                <pr:smNativeData xmlns="" xmlns:p14="http://schemas.microsoft.com/office/powerpoint/2010/main" xmlns:pr="smNativeData" val="SMDATA_13_eIVQYBMAAAAlAAAAZAAAAA0AAAAAAAAAAAAAAAAAAAAAAAAAAAAAAAAAAAAAAAAAAAEAAABQAAAAAAAAAAAA4D8AAAAAAADgPwAAAAAAAOA/AAAAAAAA4D8AAAAAAADgPwAAAAAAAOA/AAAAAAAA4D8AAAAAAADgPwAAAAAAAOA/AAAAAAAA4D8CAAAAjAAAAAAAAAAAAAAA////AP///wgAAAAAAAAAAAAAAAAAAAAAAAAAAAAAAAAAAAAAeAAAAAEAAABAAAAAAAAAAAAAAABaAAAAAAAAAAAAAAAAAAAAAAAAAAAAAAAAAAAAAAAAAAAAAAAAAAAAAAAAAAAAAAAAAAAAAAAAAAAAAAAAAAAAAAAAAAAAAAAAAAAAFAAAADwAAAAAAAAAAAAAAAAAAAAPAAAAAQAAACMAAAAjAAAAIwAAAB4AAAAAAAAAZAAAAGQAAAAAAAAAZAAAAGQAAAAVAAAAYAAAAAAAAAAAAAAADwAAACADAAAAAAAAAAAAAAEAAACgMgAAVgcAAKr4//8BAAAAf39/AAEAAABkAAAAAAAAABQAAABAHwAAAAAAACYAAAAAAAAAwOD//wAAAAAmAAAAZAAAABYAAABMAAAAAAAAAAAAAAAEAAAAAAAAAAEAAADu7OEKAAAAACgAAAAoAAAAZAAAAGQAAAAAAAAAzMzMAAAAAABQAAAAUAAAAGQAAABkAAAAAAAAABcAAAAUAAAAAAAAAAAAAAD/fwAA/38AAAAAAAAJAAAABAAAAAAAAAAMAAAAEAAAAAAAAAAAAAAAAAAAAAAAAAAeAAAAaAAAAAAAAAAAAAAAAAAAAAAAAAAAAAAAECcAABAnAAAAAAAAAAAAAAAAAAAAAAAAAAAAAAAAAAAAAAAAAAAAABQAAAAAAAAAwMD/AAAAAABkAAAAMgAAAAAAAABkAAAAAAAAAH9/fwAKAAAAHwAAAFQAAAD///8AAAAAAQAAAAAAAAAAAAAAAAAAAAAAAAAAAAAAAAAAAAAAAAAAAAAAAH9/fwAAAAADzMzMAMDA/wB/f38AAAAAAAAAAAAAAAAAAAAAAAAAAAAhAAAAGAAAABQAAABABgAAwBIAAGAiAAAGFQAAEAAAACYAAAAIAAAAPZAAAAAAAAA="/>
               </a:ext>
             </a:extLst>
           </p:cNvSpPr>
@@ -3286,7 +3812,7 @@
             <a:spLocks noGrp="1" noChangeArrowheads="1"/>
             <a:extLst>
               <a:ext uri="smNativeData">
-                <pr:smNativeData xmlns:pr="smNativeData" xmlns:p14="http://schemas.microsoft.com/office/powerpoint/2010/main" xmlns="" val="SMDATA_13_eIVQYBMAAAAlAAAAZAAAAA0AAAAAAAAAAAAAAAAAAAAAAAAAAAAAAAAAAAAAAAAAAAEAAABQAAAAAAAAAAAA4D8AAAAAAADgPwAAAAAAAOA/AAAAAAAA4D8AAAAAAADgPwAAAAAAAOA/AAAAAAAA4D8AAAAAAADgPwAAAAAAAOA/AAAAAAAA4D8CAAAAjAAAAAAAAAAAAAAA////AP///wgAAAAAAAAAAAAAAAAAAAAAAAAAAAAAAAAAAAAAeAAAAAEAAABAAAAAAAAAAAAAAABaAAAAAAAAAAAAAAAAAAAAAAAAAAAAAAAAAAAAAAAAAAAAAAAAAAAAAAAAAAAAAAAAAAAAAAAAAAAAAAAAAAAAAAAAAAAAAAAAAAAAFAAAADwAAAAAAAAAAAAAAAAAAAAPAAAAAQAAACMAAAAjAAAAIwAAAB4AAAAAAAAAZAAAAGQAAAAAAAAAZAAAAGQAAAAVAAAAYAAAAAAAAAAAAAAADwAAACADAAAAAAAAAAAAAAEAAACgMgAAVgcAAKr4//8BAAAAf39/AAEAAABkAAAAAAAAABQAAABAHwAAAAAAACYAAAAAAAAAwOD//wAAAAAmAAAAZAAAABYAAABMAAAAAAAAAAAAAAAEAAAAAAAAAAEAAADu7OEKAAAAACgAAAAoAAAAZAAAAGQAAAAAAAAAzMzMAAAAAABQAAAAUAAAAGQAAABkAAAAAAAAABcAAAAUAAAAAAAAAAAAAAD/fwAA/38AAAAAAAAJAAAABAAAAAAAAAAMAAAAEAAAAAAAAAAAAAAAAAAAAAAAAAAeAAAAaAAAAAAAAAAAAAAAAAAAAAAAAAAAAAAAECcAABAnAAAAAAAAAAAAAAAAAAAAAAAAAAAAAAAAAAAAAAAAAAAAABQAAAAAAAAAwMD/AAAAAABkAAAAMgAAAAAAAABkAAAAAAAAAH9/fwAKAAAAHwAAAFQAAAD///8AAAAAAQAAAAAAAAAAAAAAAAAAAAAAAAAAAAAAAAAAAAAAAAAAAAAAAH9/fwAAAAADzMzMAMDA/wB/f38AAAAAAAAAAAAAAAAAAAAAAAAAAAAhAAAAGAAAABQAAADIBQAAdAkAAHpIAACsDAAAEAAAACYAAAAIAAAAPZAAAAAAAAA="/>
+                <pr:smNativeData xmlns="" xmlns:p14="http://schemas.microsoft.com/office/powerpoint/2010/main" xmlns:pr="smNativeData" val="SMDATA_13_eIVQYBMAAAAlAAAAZAAAAA0AAAAAAAAAAAAAAAAAAAAAAAAAAAAAAAAAAAAAAAAAAAEAAABQAAAAAAAAAAAA4D8AAAAAAADgPwAAAAAAAOA/AAAAAAAA4D8AAAAAAADgPwAAAAAAAOA/AAAAAAAA4D8AAAAAAADgPwAAAAAAAOA/AAAAAAAA4D8CAAAAjAAAAAAAAAAAAAAA////AP///wgAAAAAAAAAAAAAAAAAAAAAAAAAAAAAAAAAAAAAeAAAAAEAAABAAAAAAAAAAAAAAABaAAAAAAAAAAAAAAAAAAAAAAAAAAAAAAAAAAAAAAAAAAAAAAAAAAAAAAAAAAAAAAAAAAAAAAAAAAAAAAAAAAAAAAAAAAAAAAAAAAAAFAAAADwAAAAAAAAAAAAAAAAAAAAPAAAAAQAAACMAAAAjAAAAIwAAAB4AAAAAAAAAZAAAAGQAAAAAAAAAZAAAAGQAAAAVAAAAYAAAAAAAAAAAAAAADwAAACADAAAAAAAAAAAAAAEAAACgMgAAVgcAAKr4//8BAAAAf39/AAEAAABkAAAAAAAAABQAAABAHwAAAAAAACYAAAAAAAAAwOD//wAAAAAmAAAAZAAAABYAAABMAAAAAAAAAAAAAAAEAAAAAAAAAAEAAADu7OEKAAAAACgAAAAoAAAAZAAAAGQAAAAAAAAAzMzMAAAAAABQAAAAUAAAAGQAAABkAAAAAAAAABcAAAAUAAAAAAAAAAAAAAD/fwAA/38AAAAAAAAJAAAABAAAAAAAAAAMAAAAEAAAAAAAAAAAAAAAAAAAAAAAAAAeAAAAaAAAAAAAAAAAAAAAAAAAAAAAAAAAAAAAECcAABAnAAAAAAAAAAAAAAAAAAAAAAAAAAAAAAAAAAAAAAAAAAAAABQAAAAAAAAAwMD/AAAAAABkAAAAMgAAAAAAAABkAAAAAAAAAH9/fwAKAAAAHwAAAFQAAAD///8AAAAAAQAAAAAAAAAAAAAAAAAAAAAAAAAAAAAAAAAAAAAAAAAAAAAAAH9/fwAAAAADzMzMAMDA/wB/f38AAAAAAAAAAAAAAAAAAAAAAAAAAAAhAAAAGAAAABQAAADIBQAAdAkAAHpIAACsDAAAEAAAACYAAAAIAAAAPZAAAAAAAAA="/>
               </a:ext>
             </a:extLst>
           </p:cNvSpPr>
@@ -3415,7 +3941,7 @@
             <a:picLocks noChangeAspect="1"/>
             <a:extLst>
               <a:ext uri="smNativeData">
-                <pr:smNativeData xmlns:pr="smNativeData" xmlns:p14="http://schemas.microsoft.com/office/powerpoint/2010/main" xmlns="" val="SMDATA_15_eIVQYBMAAAAlAAAAEQAAAC0AAAAAkAAAAEgAAACQAAAASAAAAAAAAAAAAAAAAAAAAAEAAABQAAAAAAAAAAAA4D8AAAAAAADgPwAAAAAAAOA/AAAAAAAA4D8AAAAAAADgPwAAAAAAAOA/AAAAAAAA4D8AAAAAAADgPwAAAAAAAOA/AAAAAAAA4D8CAAAAjAAAAAAAAAAAAAAAT4G9DP///wgAAAAAAAAAAAAAAAAAAAAAAAAAAAAAAAAAAAAAZAAAAAEAAABAAAAAAAAAAAAAAAAAAAAAAAAAAAAAAAAAAAAAAAAAAAAAAAAAAAAAAAAAAAAAAAAAAAAAAAAAAAAAAAAAAAAAAAAAAAAAAAAAAAAAAAAAAAAAAAAAAAAAFAAAADwAAAAAAAAAAAAAAAAAAAkUAAAAAQAAABQAAAAUAAAAFAAAAAEAAAAAAAAAZAAAAGQAAAAAAAAAZAAAAGQAAAAVAAAAYAAAAAAAAAAAAAAADwAAACADAAAAAAAAAAAAAAEAAACgMgAAVgcAAKr4//8BAAAAf39/AAEAAABkAAAAAAAAABQAAABAHwAAAAAAACYAAAAAAAAAwOD//wAAAAAmAAAAZAAAABYAAABMAAAAAAAAAAAAAAAEAAAAAAAAAAEAAADu7OEKAAAAACgAAAAoAAAAZAAAAGQAAAAAAAAAzMzMAAAAAABQAAAAUAAAAGQAAABkAAAAAAAAAAcAAAA4AAAAAAAAAAAAAAAAAAAA////AAAAAAAAAAAAAAAAAAAAAAAAAAAAAAAAAAAAAABkAAAAZAAAAAAAAAAjAAAABAAAAGQAAAAXAAAAFAAAAAAAAAAAAAAA/38AAP9/AAAAAAAACQAAAAQAAAAAAAAADAAAABAAAAAAAAAAAAAAAAAAAAAAAAAAHgAAAGgAAAAAAAAAAAAAAAAAAAAAAAAAAAAAABAnAAAQJwAAAAAAAAAAAAAAAAAAAAAAAAAAAAAAAAAAAAAAAAAAAAAUAAAAAAAAAMDA/wAAAAAAZAAAADIAAAAAAAAAZAAAAAAAAAB/f38ACgAAAB8AAABUAAAAT4G9Bf///wEAAAAAAAAAAAAAAAAAAAAAAAAAAAAAAAAAAAAAAAAAAAAAAAJ/f38A7uzhA8zMzADAwP8Af39/AAAAAAAAAAAAAAAAAP///wAAAAAAIQAAABgAAAAUAAAAAAAAAAAAAAAAUAAAADwAABAAAAAmAAAACAAAAP//////////"/>
+                <pr:smNativeData xmlns="" xmlns:p14="http://schemas.microsoft.com/office/powerpoint/2010/main" xmlns:pr="smNativeData" val="SMDATA_15_eIVQYBMAAAAlAAAAEQAAAC0AAAAAkAAAAEgAAACQAAAASAAAAAAAAAAAAAAAAAAAAAEAAABQAAAAAAAAAAAA4D8AAAAAAADgPwAAAAAAAOA/AAAAAAAA4D8AAAAAAADgPwAAAAAAAOA/AAAAAAAA4D8AAAAAAADgPwAAAAAAAOA/AAAAAAAA4D8CAAAAjAAAAAAAAAAAAAAAT4G9DP///wgAAAAAAAAAAAAAAAAAAAAAAAAAAAAAAAAAAAAAZAAAAAEAAABAAAAAAAAAAAAAAAAAAAAAAAAAAAAAAAAAAAAAAAAAAAAAAAAAAAAAAAAAAAAAAAAAAAAAAAAAAAAAAAAAAAAAAAAAAAAAAAAAAAAAAAAAAAAAAAAAAAAAFAAAADwAAAAAAAAAAAAAAAAAAAkUAAAAAQAAABQAAAAUAAAAFAAAAAEAAAAAAAAAZAAAAGQAAAAAAAAAZAAAAGQAAAAVAAAAYAAAAAAAAAAAAAAADwAAACADAAAAAAAAAAAAAAEAAACgMgAAVgcAAKr4//8BAAAAf39/AAEAAABkAAAAAAAAABQAAABAHwAAAAAAACYAAAAAAAAAwOD//wAAAAAmAAAAZAAAABYAAABMAAAAAAAAAAAAAAAEAAAAAAAAAAEAAADu7OEKAAAAACgAAAAoAAAAZAAAAGQAAAAAAAAAzMzMAAAAAABQAAAAUAAAAGQAAABkAAAAAAAAAAcAAAA4AAAAAAAAAAAAAAAAAAAA////AAAAAAAAAAAAAAAAAAAAAAAAAAAAAAAAAAAAAABkAAAAZAAAAAAAAAAjAAAABAAAAGQAAAAXAAAAFAAAAAAAAAAAAAAA/38AAP9/AAAAAAAACQAAAAQAAAAAAAAADAAAABAAAAAAAAAAAAAAAAAAAAAAAAAAHgAAAGgAAAAAAAAAAAAAAAAAAAAAAAAAAAAAABAnAAAQJwAAAAAAAAAAAAAAAAAAAAAAAAAAAAAAAAAAAAAAAAAAAAAUAAAAAAAAAMDA/wAAAAAAZAAAADIAAAAAAAAAZAAAAAAAAAB/f38ACgAAAB8AAABUAAAAT4G9Bf///wEAAAAAAAAAAAAAAAAAAAAAAAAAAAAAAAAAAAAAAAAAAAAAAAJ/f38A7uzhA8zMzADAwP8Af39/AAAAAAAAAAAAAAAAAP///wAAAAAAIQAAABgAAAAUAAAAAAAAAAAAAAAAUAAAADwAABAAAAAmAAAACAAAAP//////////"/>
               </a:ext>
             </a:extLst>
           </p:cNvPicPr>
@@ -3449,7 +3975,7 @@
             <a:spLocks noGrp="1" noChangeArrowheads="1"/>
             <a:extLst>
               <a:ext uri="smNativeData">
-                <pr:smNativeData xmlns:pr="smNativeData" xmlns:p14="http://schemas.microsoft.com/office/powerpoint/2010/main" xmlns="" val="SMDATA_13_eIVQYBMAAAAlAAAAZAAAAA0AAAAAAAAAAAAAAAAAAAAAAAAAAAAAAAAAAAAAAAAAAAEAAABQAAAAAAAAAAAA4D8AAAAAAADgPwAAAAAAAOA/AAAAAAAA4D8AAAAAAADgPwAAAAAAAOA/AAAAAAAA4D8AAAAAAADgPwAAAAAAAOA/AAAAAAAA4D8CAAAAjAAAAAAAAAAAAAAA////AP///wgAAAAAAAAAAAAAAAAAAAAAAAAAAAAAAAAAAAAAeAAAAAEAAABAAAAAAAAAAAAAAABaAAAAAAAAAAAAAAAAAAAAAAAAAAAAAAAAAAAAAAAAAAAAAAAAAAAAAAAAAAAAAAAAAAAAAAAAAAAAAAAAAAAAAAAAAAAAAAAAAAAAFAAAADwAAAAAAAAAAAAAAAAAAAAPAAAAAQAAACMAAAAjAAAAIwAAAB4AAAAAAAAAZAAAAGQAAAAAAAAAZAAAAGQAAAAVAAAAYAAAAAAAAAAAAAAADwAAACADAAAAAAAAAAAAAAEAAACgMgAAVgcAAKr4//8BAAAAf39/AAEAAABkAAAAAAAAABQAAABAHwAAAAAAACYAAAAAAAAAwOD//wAAAAAmAAAAZAAAABYAAABMAAAAAAAAAAAAAAAEAAAAAAAAAAEAAADu7OEKAAAAACgAAAAoAAAAZAAAAGQAAAAAAAAAzMzMAAAAAABQAAAAUAAAAGQAAABkAAAAAAAAABcAAAAUAAAAAAAAAAAAAAD/fwAA/38AAAAAAAAJAAAABAAAAGFubmUMAAAAEAAAAAAAAAAAAAAAAAAAAAAAAAAeAAAAaAAAAAAAAAAAAAAAAAAAAAAAAAAAAAAAECcAABAnAAAAAAAAAAAAAAAAAAAAAAAAAAAAAAAAAAAAAAAAAAAAABQAAAAAAAAAwMD/AAAAAABkAAAAMgAAAAAAAABkAAAAAAAAAH9/fwAKAAAAHwAAAFQAAAD///8AAAAAAQAAAAAAAAAAAAAAAAAAAAAAAAAAAAAAAAAAAAAAAAAAAAAAAH9/fwAAAAADzMzMAMDA/wB/f38AAAAAAAAAAAAAAAAAAAAAAAAAAAAhAAAAGAAAABQAAACnBgAAiQsAAFlJAABlDgAAEAAAACYAAAAIAAAAv58AAP//wQE="/>
+                <pr:smNativeData xmlns="" xmlns:p14="http://schemas.microsoft.com/office/powerpoint/2010/main" xmlns:pr="smNativeData" val="SMDATA_13_eIVQYBMAAAAlAAAAZAAAAA0AAAAAAAAAAAAAAAAAAAAAAAAAAAAAAAAAAAAAAAAAAAEAAABQAAAAAAAAAAAA4D8AAAAAAADgPwAAAAAAAOA/AAAAAAAA4D8AAAAAAADgPwAAAAAAAOA/AAAAAAAA4D8AAAAAAADgPwAAAAAAAOA/AAAAAAAA4D8CAAAAjAAAAAAAAAAAAAAA////AP///wgAAAAAAAAAAAAAAAAAAAAAAAAAAAAAAAAAAAAAeAAAAAEAAABAAAAAAAAAAAAAAABaAAAAAAAAAAAAAAAAAAAAAAAAAAAAAAAAAAAAAAAAAAAAAAAAAAAAAAAAAAAAAAAAAAAAAAAAAAAAAAAAAAAAAAAAAAAAAAAAAAAAFAAAADwAAAAAAAAAAAAAAAAAAAAPAAAAAQAAACMAAAAjAAAAIwAAAB4AAAAAAAAAZAAAAGQAAAAAAAAAZAAAAGQAAAAVAAAAYAAAAAAAAAAAAAAADwAAACADAAAAAAAAAAAAAAEAAACgMgAAVgcAAKr4//8BAAAAf39/AAEAAABkAAAAAAAAABQAAABAHwAAAAAAACYAAAAAAAAAwOD//wAAAAAmAAAAZAAAABYAAABMAAAAAAAAAAAAAAAEAAAAAAAAAAEAAADu7OEKAAAAACgAAAAoAAAAZAAAAGQAAAAAAAAAzMzMAAAAAABQAAAAUAAAAGQAAABkAAAAAAAAABcAAAAUAAAAAAAAAAAAAAD/fwAA/38AAAAAAAAJAAAABAAAAGFubmUMAAAAEAAAAAAAAAAAAAAAAAAAAAAAAAAeAAAAaAAAAAAAAAAAAAAAAAAAAAAAAAAAAAAAECcAABAnAAAAAAAAAAAAAAAAAAAAAAAAAAAAAAAAAAAAAAAAAAAAABQAAAAAAAAAwMD/AAAAAABkAAAAMgAAAAAAAABkAAAAAAAAAH9/fwAKAAAAHwAAAFQAAAD///8AAAAAAQAAAAAAAAAAAAAAAAAAAAAAAAAAAAAAAAAAAAAAAAAAAAAAAH9/fwAAAAADzMzMAMDA/wB/f38AAAAAAAAAAAAAAAAAAAAAAAAAAAAhAAAAGAAAABQAAACnBgAAiQsAAFlJAABlDgAAEAAAACYAAAAIAAAAv58AAP//wQE="/>
               </a:ext>
             </a:extLst>
           </p:cNvSpPr>
@@ -3528,7 +4054,7 @@
             <a:spLocks noGrp="1" noChangeArrowheads="1"/>
             <a:extLst>
               <a:ext uri="smNativeData">
-                <pr:smNativeData xmlns:pr="smNativeData" xmlns:p14="http://schemas.microsoft.com/office/powerpoint/2010/main" xmlns="" val="SMDATA_13_eIVQYBMAAAAlAAAAZAAAAA0AAAAAAAAAAAAAAAAAAAAAAAAAAAAAAAAAAAAAAAAAAAEAAABQAAAAAAAAAAAA4D8AAAAAAADgPwAAAAAAAOA/AAAAAAAA4D8AAAAAAADgPwAAAAAAAOA/AAAAAAAA4D8AAAAAAADgPwAAAAAAAOA/AAAAAAAA4D8CAAAAjAAAAAAAAAAAAAAA////AP///wgAAAAAAAAAAAAAAAAAAAAAAAAAAAAAAAAAAAAAeAAAAAEAAABAAAAAAAAAAAAAAABaAAAAAAAAAAAAAAAAAAAAAAAAAAAAAAAAAAAAAAAAAAAAAAAAAAAAAAAAAAAAAAAAAAAAAAAAAAAAAAAAAAAAAAAAAAAAAAAAAAAAFAAAADwAAAAAAAAAAAAAAAAAAAAPAAAAAQAAACMAAAAjAAAAIwAAAB4AAAAAAAAAZAAAAGQAAAAAAAAAZAAAAGQAAAAVAAAAYAAAAAAAAAAAAAAADwAAACADAAAAAAAAAAAAAAEAAACgMgAAVgcAAKr4//8BAAAAf39/AAEAAABkAAAAAAAAABQAAABAHwAAAAAAACYAAAAAAAAAwOD//wAAAAAmAAAAZAAAABYAAABMAAAAAAAAAAAAAAAEAAAAAAAAAAEAAADu7OEKAAAAACgAAAAoAAAAZAAAAGQAAAAAAAAAzMzMAAAAAABQAAAAUAAAAGQAAABkAAAAAAAAABcAAAAUAAAAAAAAAAAAAAD/fwAA/38AAAAAAAAJAAAABAAAAAAAAAAMAAAAEAAAAAAAAAAAAAAAAAAAAAAAAAAeAAAAaAAAAAAAAAAAAAAAAAAAAAAAAAAAAAAAECcAABAnAAAAAAAAAAAAAAAAAAAAAAAAAAAAAAAAAAAAAAAAAAAAABQAAAAAAAAAwMD/AAAAAABkAAAAMgAAAAAAAABkAAAAAAAAAH9/fwAKAAAAHwAAAFQAAAD///8AAAAAAQAAAAAAAAAAAAAAAAAAAAAAAAAAAAAAAAAAAAAAAAAAAAAAAH9/fwAAAAADzMzMAMDA/wB/f38AAAAAAAAAAAAAAAAAAAAAAAAAAAAhAAAAGAAAABQAAACnBgAARhQAANBIAAA1JQAAEAAAACYAAAAIAAAAv58AAP//wQE="/>
+                <pr:smNativeData xmlns="" xmlns:p14="http://schemas.microsoft.com/office/powerpoint/2010/main" xmlns:pr="smNativeData" val="SMDATA_13_eIVQYBMAAAAlAAAAZAAAAA0AAAAAAAAAAAAAAAAAAAAAAAAAAAAAAAAAAAAAAAAAAAEAAABQAAAAAAAAAAAA4D8AAAAAAADgPwAAAAAAAOA/AAAAAAAA4D8AAAAAAADgPwAAAAAAAOA/AAAAAAAA4D8AAAAAAADgPwAAAAAAAOA/AAAAAAAA4D8CAAAAjAAAAAAAAAAAAAAA////AP///wgAAAAAAAAAAAAAAAAAAAAAAAAAAAAAAAAAAAAAeAAAAAEAAABAAAAAAAAAAAAAAABaAAAAAAAAAAAAAAAAAAAAAAAAAAAAAAAAAAAAAAAAAAAAAAAAAAAAAAAAAAAAAAAAAAAAAAAAAAAAAAAAAAAAAAAAAAAAAAAAAAAAFAAAADwAAAAAAAAAAAAAAAAAAAAPAAAAAQAAACMAAAAjAAAAIwAAAB4AAAAAAAAAZAAAAGQAAAAAAAAAZAAAAGQAAAAVAAAAYAAAAAAAAAAAAAAADwAAACADAAAAAAAAAAAAAAEAAACgMgAAVgcAAKr4//8BAAAAf39/AAEAAABkAAAAAAAAABQAAABAHwAAAAAAACYAAAAAAAAAwOD//wAAAAAmAAAAZAAAABYAAABMAAAAAAAAAAAAAAAEAAAAAAAAAAEAAADu7OEKAAAAACgAAAAoAAAAZAAAAGQAAAAAAAAAzMzMAAAAAABQAAAAUAAAAGQAAABkAAAAAAAAABcAAAAUAAAAAAAAAAAAAAD/fwAA/38AAAAAAAAJAAAABAAAAAAAAAAMAAAAEAAAAAAAAAAAAAAAAAAAAAAAAAAeAAAAaAAAAAAAAAAAAAAAAAAAAAAAAAAAAAAAECcAABAnAAAAAAAAAAAAAAAAAAAAAAAAAAAAAAAAAAAAAAAAAAAAABQAAAAAAAAAwMD/AAAAAABkAAAAMgAAAAAAAABkAAAAAAAAAH9/fwAKAAAAHwAAAFQAAAD///8AAAAAAQAAAAAAAAAAAAAAAAAAAAAAAAAAAAAAAAAAAAAAAAAAAAAAAH9/fwAAAAADzMzMAMDA/wB/f38AAAAAAAAAAAAAAAAAAAAAAAAAAAAhAAAAGAAAABQAAACnBgAARhQAANBIAAA1JQAAEAAAACYAAAAIAAAAv58AAP//wQE="/>
               </a:ext>
             </a:extLst>
           </p:cNvSpPr>
@@ -3607,7 +4133,7 @@
             <a:spLocks noGrp="1" noChangeArrowheads="1"/>
             <a:extLst>
               <a:ext uri="smNativeData">
-                <pr:smNativeData xmlns:pr="smNativeData" xmlns:p14="http://schemas.microsoft.com/office/powerpoint/2010/main" xmlns="" val="SMDATA_13_eIVQYBMAAAAlAAAAZAAAAA0AAAAAAAAAAAAAAAAAAAAAAAAAAAAAAAAAAAAAAAAAAAEAAABQAAAAAAAAAAAA4D8AAAAAAADgPwAAAAAAAOA/AAAAAAAA4D8AAAAAAADgPwAAAAAAAOA/AAAAAAAA4D8AAAAAAADgPwAAAAAAAOA/AAAAAAAA4D8CAAAAjAAAAAAAAAAAAAAA////AP///wgAAAAAAAAAAAAAAAAAAAAAAAAAAAAAAAAAAAAAeAAAAAEAAABAAAAAAAAAAAAAAABaAAAAAAAAAAAAAAAAAAAAAAAAAAAAAAAAAAAAAAAAAAAAAAAAAAAAAAAAAAAAAAAAAAAAAAAAAAAAAAAAAAAAAAAAAAAAAAAAAAAAFAAAADwAAAAAAAAAAAAAAAAAAAAPAAAAAQAAACMAAAAjAAAAIwAAAB4AAAAAAAAAZAAAAGQAAAAAAAAAZAAAAGQAAAAVAAAAYAAAAAAAAAAAAAAADwAAACADAAAAAAAAAAAAAAEAAACgMgAAVgcAAKr4//8BAAAAf39/AAEAAABkAAAAAAAAABQAAABAHwAAAAAAACYAAAAAAAAAwOD//wAAAAAmAAAAZAAAABYAAABMAAAAAAAAAAAAAAAEAAAAAAAAAAEAAADu7OEKAAAAACgAAAAoAAAAZAAAAGQAAAAAAAAAzMzMAAAAAABQAAAAUAAAAGQAAABkAAAAAAAAABcAAAAUAAAAAAAAAAAAAAD/fwAA/38AAAAAAAAJAAAABAAAAAAAAAAMAAAAEAAAAAAAAAAAAAAAAAAAAAAAAAAeAAAAaAAAAAAAAAAAAAAAAAAAAAAAAAAAAAAAECcAABAnAAAAAAAAAAAAAAAAAAAAAAAAAAAAAAAAAAAAAAAAAAAAABQAAAAAAAAAwMD/AAAAAABkAAAAMgAAAAAAAABkAAAAAAAAAH9/fwAKAAAAHwAAAFQAAAD///8AAAAAAQAAAAAAAAAAAAAAAAAAAAAAAAAAAAAAAAAAAAAAAAAAAAAAAH9/fwAAAAADzMzMAMDA/wB/f38AAAAAAAAAAAAAAAAAAAAAAAAAAAAhAAAAGAAAABQAAADQSAAAGDkAABZOAACYOgAAEAAAACYAAAAIAAAAv58AAP//wQE="/>
+                <pr:smNativeData xmlns="" xmlns:p14="http://schemas.microsoft.com/office/powerpoint/2010/main" xmlns:pr="smNativeData" val="SMDATA_13_eIVQYBMAAAAlAAAAZAAAAA0AAAAAAAAAAAAAAAAAAAAAAAAAAAAAAAAAAAAAAAAAAAEAAABQAAAAAAAAAAAA4D8AAAAAAADgPwAAAAAAAOA/AAAAAAAA4D8AAAAAAADgPwAAAAAAAOA/AAAAAAAA4D8AAAAAAADgPwAAAAAAAOA/AAAAAAAA4D8CAAAAjAAAAAAAAAAAAAAA////AP///wgAAAAAAAAAAAAAAAAAAAAAAAAAAAAAAAAAAAAAeAAAAAEAAABAAAAAAAAAAAAAAABaAAAAAAAAAAAAAAAAAAAAAAAAAAAAAAAAAAAAAAAAAAAAAAAAAAAAAAAAAAAAAAAAAAAAAAAAAAAAAAAAAAAAAAAAAAAAAAAAAAAAFAAAADwAAAAAAAAAAAAAAAAAAAAPAAAAAQAAACMAAAAjAAAAIwAAAB4AAAAAAAAAZAAAAGQAAAAAAAAAZAAAAGQAAAAVAAAAYAAAAAAAAAAAAAAADwAAACADAAAAAAAAAAAAAAEAAACgMgAAVgcAAKr4//8BAAAAf39/AAEAAABkAAAAAAAAABQAAABAHwAAAAAAACYAAAAAAAAAwOD//wAAAAAmAAAAZAAAABYAAABMAAAAAAAAAAAAAAAEAAAAAAAAAAEAAADu7OEKAAAAACgAAAAoAAAAZAAAAGQAAAAAAAAAzMzMAAAAAABQAAAAUAAAAGQAAABkAAAAAAAAABcAAAAUAAAAAAAAAAAAAAD/fwAA/38AAAAAAAAJAAAABAAAAAAAAAAMAAAAEAAAAAAAAAAAAAAAAAAAAAAAAAAeAAAAaAAAAAAAAAAAAAAAAAAAAAAAAAAAAAAAECcAABAnAAAAAAAAAAAAAAAAAAAAAAAAAAAAAAAAAAAAAAAAAAAAABQAAAAAAAAAwMD/AAAAAABkAAAAMgAAAAAAAABkAAAAAAAAAH9/fwAKAAAAHwAAAFQAAAD///8AAAAAAQAAAAAAAAAAAAAAAAAAAAAAAAAAAAAAAAAAAAAAAAAAAAAAAH9/fwAAAAADzMzMAMDA/wB/f38AAAAAAAAAAAAAAAAAAAAAAAAAAAAhAAAAGAAAABQAAADQSAAAGDkAABZOAACYOgAAEAAAACYAAAAIAAAAv58AAP//wQE="/>
               </a:ext>
             </a:extLst>
           </p:cNvSpPr>
@@ -3686,7 +4212,7 @@
             <a:spLocks noGrp="1" noChangeArrowheads="1"/>
             <a:extLst>
               <a:ext uri="smNativeData">
-                <pr:smNativeData xmlns:pr="smNativeData" xmlns:p14="http://schemas.microsoft.com/office/powerpoint/2010/main" xmlns="" val="SMDATA_13_eIVQYBMAAAAlAAAAZAAAAA0AAAAAAAAAAAAAAAAAAAAAAAAAAAAAAAAAAAAAAAAAAAEAAABQAAAAAAAAAAAA4D8AAAAAAADgPwAAAAAAAOA/AAAAAAAA4D8AAAAAAADgPwAAAAAAAOA/AAAAAAAA4D8AAAAAAADgPwAAAAAAAOA/AAAAAAAA4D8CAAAAjAAAAAAAAAAAAAAA////AP///wgAAAAAAAAAAAAAAAAAAAAAAAAAAAAAAAAAAAAAeAAAAAEAAABAAAAAAAAAAAAAAABaAAAAAAAAAAAAAAAAAAAAAAAAAAAAAAAAAAAAAAAAAAAAAAAAAAAAAAAAAAAAAAAAAAAAAAAAAAAAAAAAAAAAAAAAAAAAAAAAAAAAFAAAADwAAAAAAAAAAAAAAAAAAAAPAAAAAQAAACMAAAAjAAAAIwAAAB4AAAAAAAAAZAAAAGQAAAAAAAAAZAAAAGQAAAAVAAAAYAAAAAAAAAAAAAAADwAAACADAAAAAAAAAAAAAAEAAACgMgAAVgcAAKr4//8BAAAAf39/AAEAAABkAAAAAAAAABQAAABAHwAAAAAAACYAAAAAAAAAwOD//wAAAAAmAAAAZAAAABYAAABMAAAAAAAAAAAAAAAEAAAAAAAAAAEAAADu7OEKAAAAACgAAAAoAAAAZAAAAGQAAAAAAAAAzMzMAAAAAABQAAAAUAAAAGQAAABkAAAAAAAAABcAAAAUAAAAAAAAAAAAAAD/fwAA/38AAAAAAAAJAAAABAAAAAAAAAAMAAAAEAAAAAAAAAAAAAAAAAAAAAAAAAAeAAAAaAAAAAAAAAAAAAAAAAAAAAAAAAAAAAAAECcAABAnAAAAAAAAAAAAAAAAAAAAAAAAAAAAAAAAAAAAAAAAAAAAABQAAAAAAAAAwMD/AAAAAABkAAAAMgAAAAAAAABkAAAAAAAAAH9/fwAKAAAAHwAAAFQAAAD///8AAAAAAQAAAAAAAAAAAAAAAAAAAAAAAAAAAAAAAAAAAAAAAAAAAAAAAH9/fwAAAAADzMzMAMDA/wB/f38AAAAAAAAAAAAAAAAAAAAAAAAAAAAhAAAAGAAAABQAAADqAQAA4DgAAPAKAACYOgAAEAAAACYAAAAIAAAAv58AAP//wQE="/>
+                <pr:smNativeData xmlns="" xmlns:p14="http://schemas.microsoft.com/office/powerpoint/2010/main" xmlns:pr="smNativeData" val="SMDATA_13_eIVQYBMAAAAlAAAAZAAAAA0AAAAAAAAAAAAAAAAAAAAAAAAAAAAAAAAAAAAAAAAAAAEAAABQAAAAAAAAAAAA4D8AAAAAAADgPwAAAAAAAOA/AAAAAAAA4D8AAAAAAADgPwAAAAAAAOA/AAAAAAAA4D8AAAAAAADgPwAAAAAAAOA/AAAAAAAA4D8CAAAAjAAAAAAAAAAAAAAA////AP///wgAAAAAAAAAAAAAAAAAAAAAAAAAAAAAAAAAAAAAeAAAAAEAAABAAAAAAAAAAAAAAABaAAAAAAAAAAAAAAAAAAAAAAAAAAAAAAAAAAAAAAAAAAAAAAAAAAAAAAAAAAAAAAAAAAAAAAAAAAAAAAAAAAAAAAAAAAAAAAAAAAAAFAAAADwAAAAAAAAAAAAAAAAAAAAPAAAAAQAAACMAAAAjAAAAIwAAAB4AAAAAAAAAZAAAAGQAAAAAAAAAZAAAAGQAAAAVAAAAYAAAAAAAAAAAAAAADwAAACADAAAAAAAAAAAAAAEAAACgMgAAVgcAAKr4//8BAAAAf39/AAEAAABkAAAAAAAAABQAAABAHwAAAAAAACYAAAAAAAAAwOD//wAAAAAmAAAAZAAAABYAAABMAAAAAAAAAAAAAAAEAAAAAAAAAAEAAADu7OEKAAAAACgAAAAoAAAAZAAAAGQAAAAAAAAAzMzMAAAAAABQAAAAUAAAAGQAAABkAAAAAAAAABcAAAAUAAAAAAAAAAAAAAD/fwAA/38AAAAAAAAJAAAABAAAAAAAAAAMAAAAEAAAAAAAAAAAAAAAAAAAAAAAAAAeAAAAaAAAAAAAAAAAAAAAAAAAAAAAAAAAAAAAECcAABAnAAAAAAAAAAAAAAAAAAAAAAAAAAAAAAAAAAAAAAAAAAAAABQAAAAAAAAAwMD/AAAAAABkAAAAMgAAAAAAAABkAAAAAAAAAH9/fwAKAAAAHwAAAFQAAAD///8AAAAAAQAAAAAAAAAAAAAAAAAAAAAAAAAAAAAAAAAAAAAAAAAAAAAAAH9/fwAAAAADzMzMAMDA/wB/f38AAAAAAAAAAAAAAAAAAAAAAAAAAAAhAAAAGAAAABQAAADqAQAA4DgAAPAKAACYOgAAEAAAACYAAAAIAAAAv58AAP//wQE="/>
               </a:ext>
             </a:extLst>
           </p:cNvSpPr>
@@ -3763,7 +4289,7 @@
           <p:cNvSpPr>
             <a:extLst>
               <a:ext uri="smNativeData">
-                <pr:smNativeData xmlns:pr="smNativeData" xmlns:p14="http://schemas.microsoft.com/office/powerpoint/2010/main" xmlns="" val="SMDATA_13_eIVQYBMAAAAlAAAAZAAAAA0AAAAAkAAAAEgAAACQAAAASAAAAAAAAAAAAAAAAAAAAAEAAABQAAAAAAAAAAAA4D8AAAAAAADgPwAAAAAAAOA/AAAAAAAA4D8AAAAAAADgPwAAAAAAAOA/AAAAAAAA4D8AAAAAAADgPwAAAAAAAOA/AAAAAAAA4D8CAAAAjAAAAAAAAAAAAAAAT4G9DP///wgAAAAAAAAAAAAAAAAAAAAAAAAAAAAAAAAAAAAAZAAAAAEAAABAAAAAAAAAAAAAAAAAAAAAAAAAAAAAAAAAAAAAAAAAAAAAAAAAAAAAAAAAAAAAAAAAAAAAAAAAAAAAAAAAAAAAAAAAAAAAAAAAAAAAAAAAAAAAAAAAAAAAFAAAADwAAAAAAAAAAAAAAAAAAAkUAAAAAQAAABQAAAAUAAAAFAAAAAEAAAAAAAAAZAAAAGQAAAAAAAAAZAAAAGQAAAAVAAAAYAAAAAAAAAAAAAAADwAAACADAAAAAAAAAAAAAAEAAACgMgAAVgcAAKr4//8BAAAAf39/AAEAAABkAAAAAAAAABQAAABAHwAAAAAAACYAAAAAAAAAwOD//wAAAAAmAAAAZAAAABYAAABMAAAAAAAAAAAAAAAEAAAAAAAAAAEAAADu7OEKAAAAACgAAAAoAAAAZAAAAGQAAAAAAAAAzMzMAAAAAABQAAAAUAAAAGQAAABkAAAAAAAAABcAAAAUAAAAAAAAAAAAAAD/fwAA/38AAAAAAAAJAAAABAAAAAAAAAAMAAAAEAAAAAAAAAAAAAAAAAAAAAAAAAAeAAAAaAAAAAAAAAAAAAAAAAAAAAAAAAAAAAAAECcAABAnAAAAAAAAAAAAAAAAAAAAAAAAAAAAAAAAAAAAAAAAAAAAABQAAAAAAAAAwMD/AAAAAABkAAAAMgAAAAAAAABkAAAAAAAAAH9/fwAKAAAAHwAAAFQAAABPgb0F////AQAAAAAAAAAAAAAAAAAAAAAAAAAAAAAAAAAAAAAAAAAAAAAAAn9/fwDu7OEDzMzMAMDA/wB/f38AAAAAAAAAAAAAAAAAAAAAAAAAAAAhAAAAGAAAABQAAAAwNAAAPgMAAAhNAADyBAAAEAAAACYAAAAIAAAA//////////8="/>
+                <pr:smNativeData xmlns="" xmlns:p14="http://schemas.microsoft.com/office/powerpoint/2010/main" xmlns:pr="smNativeData" val="SMDATA_13_eIVQYBMAAAAlAAAAZAAAAA0AAAAAkAAAAEgAAACQAAAASAAAAAAAAAAAAAAAAAAAAAEAAABQAAAAAAAAAAAA4D8AAAAAAADgPwAAAAAAAOA/AAAAAAAA4D8AAAAAAADgPwAAAAAAAOA/AAAAAAAA4D8AAAAAAADgPwAAAAAAAOA/AAAAAAAA4D8CAAAAjAAAAAAAAAAAAAAAT4G9DP///wgAAAAAAAAAAAAAAAAAAAAAAAAAAAAAAAAAAAAAZAAAAAEAAABAAAAAAAAAAAAAAAAAAAAAAAAAAAAAAAAAAAAAAAAAAAAAAAAAAAAAAAAAAAAAAAAAAAAAAAAAAAAAAAAAAAAAAAAAAAAAAAAAAAAAAAAAAAAAAAAAAAAAFAAAADwAAAAAAAAAAAAAAAAAAAkUAAAAAQAAABQAAAAUAAAAFAAAAAEAAAAAAAAAZAAAAGQAAAAAAAAAZAAAAGQAAAAVAAAAYAAAAAAAAAAAAAAADwAAACADAAAAAAAAAAAAAAEAAACgMgAAVgcAAKr4//8BAAAAf39/AAEAAABkAAAAAAAAABQAAABAHwAAAAAAACYAAAAAAAAAwOD//wAAAAAmAAAAZAAAABYAAABMAAAAAAAAAAAAAAAEAAAAAAAAAAEAAADu7OEKAAAAACgAAAAoAAAAZAAAAGQAAAAAAAAAzMzMAAAAAABQAAAAUAAAAGQAAABkAAAAAAAAABcAAAAUAAAAAAAAAAAAAAD/fwAA/38AAAAAAAAJAAAABAAAAAAAAAAMAAAAEAAAAAAAAAAAAAAAAAAAAAAAAAAeAAAAaAAAAAAAAAAAAAAAAAAAAAAAAAAAAAAAECcAABAnAAAAAAAAAAAAAAAAAAAAAAAAAAAAAAAAAAAAAAAAAAAAABQAAAAAAAAAwMD/AAAAAABkAAAAMgAAAAAAAABkAAAAAAAAAH9/fwAKAAAAHwAAAFQAAABPgb0F////AQAAAAAAAAAAAAAAAAAAAAAAAAAAAAAAAAAAAAAAAAAAAAAAAn9/fwDu7OEDzMzMAMDA/wB/f38AAAAAAAAAAAAAAAAAAAAAAAAAAAAhAAAAGAAAABQAAAAwNAAAPgMAAAhNAADyBAAAEAAAACYAAAAIAAAA//////////8="/>
               </a:ext>
             </a:extLst>
           </p:cNvSpPr>
@@ -3870,7 +4396,7 @@
           <p:cNvSpPr>
             <a:extLst>
               <a:ext uri="smNativeData">
-                <pr:smNativeData xmlns:pr="smNativeData" xmlns:p14="http://schemas.microsoft.com/office/powerpoint/2010/main" xmlns="" val="SMDATA_13_eIVQYBMAAAAlAAAAZAAAAA0AAAAAAAAAAAAAAAAAAAAAAAAAAAAAAAAAAAAAAAAAAAEAAABQAAAAAAAAAAAA4D8AAAAAAADgPwAAAAAAAOA/AAAAAAAA4D8AAAAAAADgPwAAAAAAAOA/AAAAAAAA4D8AAAAAAADgPwAAAAAAAOA/AAAAAAAA4D8CAAAAjAAAAAAAAAAAAAAAT4G9DP///wgAAAAAAAAAAAAAAAAAAAAAAAAAAAAAAAAAAAAAZAAAAAEAAABAAAAAAAAAAAAAAAAAAAAAAAAAAAAAAAAAAAAAAAAAAAAAAAAAAAAAAAAAAAAAAAAAAAAAAAAAAAAAAAAAAAAAAAAAAAAAAAAAAAAAAAAAAAAAAAAAAAAAFAAAADwAAAAAAAAAAAAAAAAAAAkUAAAAAQAAABQAAAAUAAAAFAAAAAEAAAAAAAAAZAAAAGQAAAAAAAAAZAAAAGQAAAAVAAAAYAAAAAAAAAAAAAAADwAAACADAAAAAAAAAAAAAAEAAACgMgAAVgcAAKr4//8BAAAAf39/AAEAAABkAAAAAAAAABQAAABAHwAAAAAAACYAAAAAAAAAwOD//wAAAAAmAAAAZAAAABYAAABMAAAAAAAAAAAAAAAEAAAAAAAAAAEAAADu7OEKAAAAACgAAAAoAAAAZAAAAGQAAAAAAAAAzMzMAAAAAABQAAAAUAAAAGQAAABkAAAAAAAAABcAAAAUAAAAAAAAAAAAAAD/fwAA/38AAAAAAAAJAAAABAAAAAAAAAAMAAAAEAAAAAAAAAAAAAAAAAAAAAAAAAAeAAAAaAAAAAAAAAAAAAAAAAAAAAAAAAAAAAAAECcAABAnAAAAAAAAAAAAAAAAAAAAAAAAAAAAAAAAAAAAAAAAAAAAABQAAAAAAAAAwMD/AAAAAABkAAAAMgAAAAAAAABkAAAAAAAAAH9/fwAKAAAAHwAAAFQAAABPgb0F////AQAAAAAAAAAAAAAAAAAAAAAAAAAAAAAAAAAAAAAAAAAAAAAAAn9/fwDu7OEDzMzMAMDA/wB/f38AAAAAAAAAAAAAAAAAAAAAAAAAAAAhAAAAGAAAABQAAAA+DQAA5TgAACBEAACYOgAAEAAAACYAAAAIAAAA//////////8="/>
+                <pr:smNativeData xmlns="" xmlns:p14="http://schemas.microsoft.com/office/powerpoint/2010/main" xmlns:pr="smNativeData" val="SMDATA_13_eIVQYBMAAAAlAAAAZAAAAA0AAAAAAAAAAAAAAAAAAAAAAAAAAAAAAAAAAAAAAAAAAAEAAABQAAAAAAAAAAAA4D8AAAAAAADgPwAAAAAAAOA/AAAAAAAA4D8AAAAAAADgPwAAAAAAAOA/AAAAAAAA4D8AAAAAAADgPwAAAAAAAOA/AAAAAAAA4D8CAAAAjAAAAAAAAAAAAAAAT4G9DP///wgAAAAAAAAAAAAAAAAAAAAAAAAAAAAAAAAAAAAAZAAAAAEAAABAAAAAAAAAAAAAAAAAAAAAAAAAAAAAAAAAAAAAAAAAAAAAAAAAAAAAAAAAAAAAAAAAAAAAAAAAAAAAAAAAAAAAAAAAAAAAAAAAAAAAAAAAAAAAAAAAAAAAFAAAADwAAAAAAAAAAAAAAAAAAAkUAAAAAQAAABQAAAAUAAAAFAAAAAEAAAAAAAAAZAAAAGQAAAAAAAAAZAAAAGQAAAAVAAAAYAAAAAAAAAAAAAAADwAAACADAAAAAAAAAAAAAAEAAACgMgAAVgcAAKr4//8BAAAAf39/AAEAAABkAAAAAAAAABQAAABAHwAAAAAAACYAAAAAAAAAwOD//wAAAAAmAAAAZAAAABYAAABMAAAAAAAAAAAAAAAEAAAAAAAAAAEAAADu7OEKAAAAACgAAAAoAAAAZAAAAGQAAAAAAAAAzMzMAAAAAABQAAAAUAAAAGQAAABkAAAAAAAAABcAAAAUAAAAAAAAAAAAAAD/fwAA/38AAAAAAAAJAAAABAAAAAAAAAAMAAAAEAAAAAAAAAAAAAAAAAAAAAAAAAAeAAAAaAAAAAAAAAAAAAAAAAAAAAAAAAAAAAAAECcAABAnAAAAAAAAAAAAAAAAAAAAAAAAAAAAAAAAAAAAAAAAAAAAABQAAAAAAAAAwMD/AAAAAABkAAAAMgAAAAAAAABkAAAAAAAAAH9/fwAKAAAAHwAAAFQAAABPgb0F////AQAAAAAAAAAAAAAAAAAAAAAAAAAAAAAAAAAAAAAAAAAAAAAAAn9/fwDu7OEDzMzMAMDA/wB/f38AAAAAAAAAAAAAAAAAAAAAAAAAAAAhAAAAGAAAABQAAAA+DQAA5TgAACBEAACYOgAAEAAAACYAAAAIAAAA//////////8="/>
               </a:ext>
             </a:extLst>
           </p:cNvSpPr>
@@ -4549,7 +5075,7 @@
             <a:spLocks noGrp="1" noChangeArrowheads="1"/>
             <a:extLst>
               <a:ext uri="smNativeData">
-                <pr:smNativeData xmlns:pr="smNativeData" xmlns:p14="http://schemas.microsoft.com/office/powerpoint/2010/main" xmlns="" val="SMDATA_13_eIVQYBMAAAAlAAAAZAAAAA0AAAAAAAAAAAAAAAAAAAAAAAAAAAAAAAAAAAAAAAAAAAEAAABQAAAAAAAAAAAA4D8AAAAAAADgPwAAAAAAAOA/AAAAAAAA4D8AAAAAAADgPwAAAAAAAOA/AAAAAAAA4D8AAAAAAADgPwAAAAAAAOA/AAAAAAAA4D8CAAAAjAAAAAAAAAAAAAAA////AP///wgAAAAAAAAAAAAAAAAAAAAAAAAAAAAAAAAAAAAAeAAAAAEAAABAAAAAAAAAAAAAAABaAAAAAAAAAAAAAAAAAAAAAAAAAAAAAAAAAAAAAAAAAAAAAAAAAAAAAAAAAAAAAAAAAAAAAAAAAAAAAAAAAAAAAAAAAAAAAAAAAAAAFAAAADwAAAAAAAAAAAAAAAAAAAAPAAAAAQAAACMAAAAjAAAAIwAAAB4AAAAAAAAAZAAAAGQAAAAAAAAAZAAAAGQAAAAVAAAAYAAAAAAAAAAAAAAADwAAACADAAAAAAAAAAAAAAEAAACgMgAAVgcAAKr4//8BAAAAf39/AAEAAABkAAAAAAAAABQAAABAHwAAAAAAACYAAAAAAAAAwOD//wAAAAAmAAAAZAAAABYAAABMAAAAAAAAAAAAAAAEAAAAAAAAAAEAAADu7OEKAAAAACgAAAAoAAAAZAAAAGQAAAAAAAAAzMzMAAAAAABQAAAAUAAAAGQAAABkAAAAAAAAABcAAAAUAAAAAAAAAAAAAAD/fwAA/38AAAAAAAAJAAAABAAAAAAAAAAMAAAAEAAAAAAAAAAAAAAAAAAAAAAAAAAeAAAAaAAAAAAAAAAAAAAAAAAAAAAAAAAAAAAAECcAABAnAAAAAAAAAAAAAAAAAAAAAAAAAAAAAAAAAAAAAAAAAAAAABQAAAAAAAAAwMD/AAAAAABkAAAAMgAAAAAAAABkAAAAAAAAAH9/fwAKAAAAHwAAAFQAAAD///8A////AQAAAAAAAAAAAAAAAAAAAAAAAAAAAAAAAAAAAAAAAAAAAAAAAH9/fwDu7OEDzMzMAMDA/wB/f38AAAAAAAAAAAAAAAAAAAAAAAAAAAAhAAAAGAAAABQAAACSBQAAmBwAAERIAADYJwAAEAAAACYAAAAIAAAAAQAAAAAAAAA="/>
+                <pr:smNativeData xmlns="" xmlns:p14="http://schemas.microsoft.com/office/powerpoint/2010/main" xmlns:pr="smNativeData" val="SMDATA_13_eIVQYBMAAAAlAAAAZAAAAA0AAAAAAAAAAAAAAAAAAAAAAAAAAAAAAAAAAAAAAAAAAAEAAABQAAAAAAAAAAAA4D8AAAAAAADgPwAAAAAAAOA/AAAAAAAA4D8AAAAAAADgPwAAAAAAAOA/AAAAAAAA4D8AAAAAAADgPwAAAAAAAOA/AAAAAAAA4D8CAAAAjAAAAAAAAAAAAAAA////AP///wgAAAAAAAAAAAAAAAAAAAAAAAAAAAAAAAAAAAAAeAAAAAEAAABAAAAAAAAAAAAAAABaAAAAAAAAAAAAAAAAAAAAAAAAAAAAAAAAAAAAAAAAAAAAAAAAAAAAAAAAAAAAAAAAAAAAAAAAAAAAAAAAAAAAAAAAAAAAAAAAAAAAFAAAADwAAAAAAAAAAAAAAAAAAAAPAAAAAQAAACMAAAAjAAAAIwAAAB4AAAAAAAAAZAAAAGQAAAAAAAAAZAAAAGQAAAAVAAAAYAAAAAAAAAAAAAAADwAAACADAAAAAAAAAAAAAAEAAACgMgAAVgcAAKr4//8BAAAAf39/AAEAAABkAAAAAAAAABQAAABAHwAAAAAAACYAAAAAAAAAwOD//wAAAAAmAAAAZAAAABYAAABMAAAAAAAAAAAAAAAEAAAAAAAAAAEAAADu7OEKAAAAACgAAAAoAAAAZAAAAGQAAAAAAAAAzMzMAAAAAABQAAAAUAAAAGQAAABkAAAAAAAAABcAAAAUAAAAAAAAAAAAAAD/fwAA/38AAAAAAAAJAAAABAAAAAAAAAAMAAAAEAAAAAAAAAAAAAAAAAAAAAAAAAAeAAAAaAAAAAAAAAAAAAAAAAAAAAAAAAAAAAAAECcAABAnAAAAAAAAAAAAAAAAAAAAAAAAAAAAAAAAAAAAAAAAAAAAABQAAAAAAAAAwMD/AAAAAABkAAAAMgAAAAAAAABkAAAAAAAAAH9/fwAKAAAAHwAAAFQAAAD///8A////AQAAAAAAAAAAAAAAAAAAAAAAAAAAAAAAAAAAAAAAAAAAAAAAAH9/fwDu7OEDzMzMAMDA/wB/f38AAAAAAAAAAAAAAAAAAAAAAAAAAAAhAAAAGAAAABQAAACSBQAAmBwAAERIAADYJwAAEAAAACYAAAAIAAAAAQAAAAAAAAA="/>
               </a:ext>
             </a:extLst>
           </p:cNvSpPr>
@@ -4583,7 +5109,7 @@
             <a:spLocks noGrp="1" noChangeArrowheads="1"/>
             <a:extLst>
               <a:ext uri="smNativeData">
-                <pr:smNativeData xmlns:pr="smNativeData" xmlns:p14="http://schemas.microsoft.com/office/powerpoint/2010/main" xmlns="" val="SMDATA_13_eIVQYBMAAAAlAAAAZAAAAA0AAAAAAAAAAAAAAAAAAAAAAAAAAAAAAAAAAAAAAAAAAAEAAABQAAAAAAAAAAAA4D8AAAAAAADgPwAAAAAAAOA/AAAAAAAA4D8AAAAAAADgPwAAAAAAAOA/AAAAAAAA4D8AAAAAAADgPwAAAAAAAOA/AAAAAAAA4D8CAAAAjAAAAAAAAAAAAAAA////AP///wgAAAAAAAAAAAAAAAAAAAAAAAAAAAAAAAAAAAAAeAAAAAEAAABAAAAAAAAAAAAAAABaAAAAAAAAAAAAAAAAAAAAAAAAAAAAAAAAAAAAAAAAAAAAAAAAAAAAAAAAAAAAAAAAAAAAAAAAAAAAAAAAAAAAAAAAAAAAAAAAAAAAFAAAADwAAAAAAAAAAAAAAAAAAAAPAAAAAQAAACMAAAAjAAAAIwAAAB4AAAAAAAAAZAAAAGQAAAAAAAAAZAAAAGQAAAAVAAAAYAAAAAAAAAAAAAAADwAAACADAAAAAAAAAAAAAAEAAACgMgAAVgcAAKr4//8BAAAAf39/AAEAAABkAAAAAAAAABQAAABAHwAAAAAAACYAAAAAAAAAwOD//wAAAAAmAAAAZAAAABYAAABMAAAAAAAAAAAAAAAEAAAAAAAAAAEAAADu7OEKAAAAACgAAAAoAAAAZAAAAGQAAAAAAAAAzMzMAAAAAABQAAAAUAAAAGQAAABkAAAAAAAAABcAAAAUAAAAAAAAAAAAAAD/fwAA/38AAAAAAAAJAAAABAAAAAAAAAAMAAAAEAAAAAAAAAAAAAAAAAAAAAAAAAAeAAAAaAAAAAAAAAAAAAAAAAAAAAAAAAAAAAAAECcAABAnAAAAAAAAAAAAAAAAAAAAAAAAAAAAAAAAAAAAAAAAAAAAABQAAAAAAAAAwMD/AAAAAABkAAAAMgAAAAAAAABkAAAAAAAAAH9/fwAKAAAAHwAAAFQAAAD///8A////AQAAAAAAAAAAAAAAAAAAAAAAAAAAAAAAAAAAAAAAAAAAAAAAAH9/fwDu7OEDzMzMAMDA/wB/f38AAAAAAAAAAAAAAAAAAAAAAAAAAAAhAAAAGAAAABQAAADIBQAAgigAAMg9AADCKgAAEAAAACYAAAAIAAAAAQAAAAAAAAA="/>
+                <pr:smNativeData xmlns="" xmlns:p14="http://schemas.microsoft.com/office/powerpoint/2010/main" xmlns:pr="smNativeData" val="SMDATA_13_eIVQYBMAAAAlAAAAZAAAAA0AAAAAAAAAAAAAAAAAAAAAAAAAAAAAAAAAAAAAAAAAAAEAAABQAAAAAAAAAAAA4D8AAAAAAADgPwAAAAAAAOA/AAAAAAAA4D8AAAAAAADgPwAAAAAAAOA/AAAAAAAA4D8AAAAAAADgPwAAAAAAAOA/AAAAAAAA4D8CAAAAjAAAAAAAAAAAAAAA////AP///wgAAAAAAAAAAAAAAAAAAAAAAAAAAAAAAAAAAAAAeAAAAAEAAABAAAAAAAAAAAAAAABaAAAAAAAAAAAAAAAAAAAAAAAAAAAAAAAAAAAAAAAAAAAAAAAAAAAAAAAAAAAAAAAAAAAAAAAAAAAAAAAAAAAAAAAAAAAAAAAAAAAAFAAAADwAAAAAAAAAAAAAAAAAAAAPAAAAAQAAACMAAAAjAAAAIwAAAB4AAAAAAAAAZAAAAGQAAAAAAAAAZAAAAGQAAAAVAAAAYAAAAAAAAAAAAAAADwAAACADAAAAAAAAAAAAAAEAAACgMgAAVgcAAKr4//8BAAAAf39/AAEAAABkAAAAAAAAABQAAABAHwAAAAAAACYAAAAAAAAAwOD//wAAAAAmAAAAZAAAABYAAABMAAAAAAAAAAAAAAAEAAAAAAAAAAEAAADu7OEKAAAAACgAAAAoAAAAZAAAAGQAAAAAAAAAzMzMAAAAAABQAAAAUAAAAGQAAABkAAAAAAAAABcAAAAUAAAAAAAAAAAAAAD/fwAA/38AAAAAAAAJAAAABAAAAAAAAAAMAAAAEAAAAAAAAAAAAAAAAAAAAAAAAAAeAAAAaAAAAAAAAAAAAAAAAAAAAAAAAAAAAAAAECcAABAnAAAAAAAAAAAAAAAAAAAAAAAAAAAAAAAAAAAAAAAAAAAAABQAAAAAAAAAwMD/AAAAAABkAAAAMgAAAAAAAABkAAAAAAAAAH9/fwAKAAAAHwAAAFQAAAD///8A////AQAAAAAAAAAAAAAAAAAAAAAAAAAAAAAAAAAAAAAAAAAAAAAAAH9/fwDu7OEDzMzMAMDA/wB/f38AAAAAAAAAAAAAAAAAAAAAAAAAAAAhAAAAGAAAABQAAADIBQAAgigAAMg9AADCKgAAEAAAACYAAAAIAAAAAQAAAAAAAAA="/>
               </a:ext>
             </a:extLst>
           </p:cNvSpPr>
@@ -4617,7 +5143,7 @@
             <a:spLocks noGrp="1" noChangeArrowheads="1"/>
             <a:extLst>
               <a:ext uri="smNativeData">
-                <pr:smNativeData xmlns:pr="smNativeData" xmlns:p14="http://schemas.microsoft.com/office/powerpoint/2010/main" xmlns="" val="SMDATA_13_eIVQYBMAAAAlAAAAZAAAAA0AAAAAAAAAAAAAAAAAAAAAAAAAAAAAAAAAAAAAAAAAAAEAAABQAAAAAAAAAAAA4D8AAAAAAADgPwAAAAAAAOA/AAAAAAAA4D8AAAAAAADgPwAAAAAAAOA/AAAAAAAA4D8AAAAAAADgPwAAAAAAAOA/AAAAAAAA4D8CAAAAjAAAAAAAAAAAAAAA////AP///wgAAAAAAAAAAAAAAAAAAAAAAAAAAAAAAAAAAAAAeAAAAAEAAABAAAAAAAAAAAAAAABaAAAAAAAAAAAAAAAAAAAAAAAAAAAAAAAAAAAAAAAAAAAAAAAAAAAAAAAAAAAAAAAAAAAAAAAAAAAAAAAAAAAAAAAAAAAAAAAAAAAAFAAAADwAAAAAAAAAAAAAAAAAAAAPAAAAAQAAACMAAAAjAAAAIwAAAB4AAAAAAAAAZAAAAGQAAAAAAAAAZAAAAGQAAAAVAAAAYAAAAAAAAAAAAAAADwAAACADAAAAAAAAAAAAAAEAAACgMgAAVgcAAKr4//8BAAAAf39/AAEAAABkAAAAAAAAABQAAABAHwAAAAAAACYAAAAAAAAAwOD//wAAAAAmAAAAZAAAABYAAABMAAAAAAAAAAAAAAAEAAAAAAAAAAEAAADu7OEKAAAAACgAAAAoAAAAZAAAAGQAAAAAAAAAzMzMAAAAAABQAAAAUAAAAGQAAABkAAAAAAAAABcAAAAUAAAAAAAAAAAAAAD/fwAA/38AAAAAAAAJAAAABAAAAAAAAAAMAAAAEAAAAAAAAAAAAAAAAAAAAAAAAAAeAAAAaAAAAAAAAAAAAAAAAAAAAAAAAAAAAAAAECcAABAnAAAAAAAAAAAAAAAAAAAAAAAAAAAAAAAAAAAAAAAAAAAAABQAAAAAAAAAwMD/AAAAAABkAAAAMgAAAAAAAABkAAAAAAAAAH9/fwAKAAAAHwAAAFQAAAD///8A////AQAAAAAAAAAAAAAAAAAAAAAAAAAAAAAAAAAAAAAAAAAAAAAAAH9/fwDu7OEDzMzMAMDA/wB/f38AAAAAAAAAAAAAAAAAAAAAAAAAAAAhAAAAGAAAABQAAADIBQAAyBkAAGg4AAAOHAAAEAAAACYAAAAIAAAAAQAAAAAAAAA="/>
+                <pr:smNativeData xmlns="" xmlns:p14="http://schemas.microsoft.com/office/powerpoint/2010/main" xmlns:pr="smNativeData" val="SMDATA_13_eIVQYBMAAAAlAAAAZAAAAA0AAAAAAAAAAAAAAAAAAAAAAAAAAAAAAAAAAAAAAAAAAAEAAABQAAAAAAAAAAAA4D8AAAAAAADgPwAAAAAAAOA/AAAAAAAA4D8AAAAAAADgPwAAAAAAAOA/AAAAAAAA4D8AAAAAAADgPwAAAAAAAOA/AAAAAAAA4D8CAAAAjAAAAAAAAAAAAAAA////AP///wgAAAAAAAAAAAAAAAAAAAAAAAAAAAAAAAAAAAAAeAAAAAEAAABAAAAAAAAAAAAAAABaAAAAAAAAAAAAAAAAAAAAAAAAAAAAAAAAAAAAAAAAAAAAAAAAAAAAAAAAAAAAAAAAAAAAAAAAAAAAAAAAAAAAAAAAAAAAAAAAAAAAFAAAADwAAAAAAAAAAAAAAAAAAAAPAAAAAQAAACMAAAAjAAAAIwAAAB4AAAAAAAAAZAAAAGQAAAAAAAAAZAAAAGQAAAAVAAAAYAAAAAAAAAAAAAAADwAAACADAAAAAAAAAAAAAAEAAACgMgAAVgcAAKr4//8BAAAAf39/AAEAAABkAAAAAAAAABQAAABAHwAAAAAAACYAAAAAAAAAwOD//wAAAAAmAAAAZAAAABYAAABMAAAAAAAAAAAAAAAEAAAAAAAAAAEAAADu7OEKAAAAACgAAAAoAAAAZAAAAGQAAAAAAAAAzMzMAAAAAABQAAAAUAAAAGQAAABkAAAAAAAAABcAAAAUAAAAAAAAAAAAAAD/fwAA/38AAAAAAAAJAAAABAAAAAAAAAAMAAAAEAAAAAAAAAAAAAAAAAAAAAAAAAAeAAAAaAAAAAAAAAAAAAAAAAAAAAAAAAAAAAAAECcAABAnAAAAAAAAAAAAAAAAAAAAAAAAAAAAAAAAAAAAAAAAAAAAABQAAAAAAAAAwMD/AAAAAABkAAAAMgAAAAAAAABkAAAAAAAAAH9/fwAKAAAAHwAAAFQAAAD///8A////AQAAAAAAAAAAAAAAAAAAAAAAAAAAAAAAAAAAAAAAAAAAAAAAAH9/fwDu7OEDzMzMAMDA/wB/f38AAAAAAAAAAAAAAAAAAAAAAAAAAAAhAAAAGAAAABQAAADIBQAAyBkAAGg4AAAOHAAAEAAAACYAAAAIAAAAAQAAAAAAAAA="/>
               </a:ext>
             </a:extLst>
           </p:cNvSpPr>
@@ -4676,7 +5202,7 @@
             <a:spLocks noGrp="1" noChangeArrowheads="1"/>
             <a:extLst>
               <a:ext uri="smNativeData">
-                <pr:smNativeData xmlns="" xmlns:p14="http://schemas.microsoft.com/office/powerpoint/2010/main" xmlns:pr="smNativeData" val="SMDATA_13_eIVQYBMAAAAlAAAAZAAAAA0AAAAAAAAAAAAAAAAAAAAAAAAAAAAAAAAAAAAAAAAAAAEAAABQAAAAAAAAAAAA4D8AAAAAAADgPwAAAAAAAOA/AAAAAAAA4D8AAAAAAADgPwAAAAAAAOA/AAAAAAAA4D8AAAAAAADgPwAAAAAAAOA/AAAAAAAA4D8CAAAAjAAAAAAAAAAAAAAA////AP///wgAAAAAAAAAAAAAAAAAAAAAAAAAAAAAAAAAAAAAeAAAAAEAAABAAAAAAAAAAAAAAABaAAAAAAAAAAAAAAAAAAAAAAAAAAAAAAAAAAAAAAAAAAAAAAAAAAAAAAAAAAAAAAAAAAAAAAAAAAAAAAAAAAAAAAAAAAAAAAAAAAAAFAAAADwAAAAAAAAAAAAAAAAAAAAPAAAAAQAAACMAAAAjAAAAIwAAAB4AAAAAAAAAZAAAAGQAAAAAAAAAZAAAAGQAAAAVAAAAYAAAAAAAAAAAAAAADwAAACADAAAAAAAAAAAAAAEAAACgMgAAVgcAAKr4//8BAAAAf39/AAEAAABkAAAAAAAAABQAAABAHwAAAAAAACYAAAAAAAAAwOD//wAAAAAmAAAAZAAAABYAAABMAAAAAAAAAAAAAAAEAAAAAAAAAAEAAADu7OEKAAAAACgAAAAoAAAAZAAAAGQAAAAAAAAAzMzMAAAAAABQAAAAUAAAAGQAAABkAAAAAAAAABcAAAAUAAAAAAAAAAAAAAD/fwAA/38AAAAAAAAJAAAABAAAAC5kaWEMAAAAEAAAAAAAAAAAAAAAAAAAAAAAAAAeAAAAaAAAAAAAAAAAAAAAAAAAAAAAAAAAAAAAECcAABAnAAAAAAAAAAAAAAAAAAAAAAAAAAAAAAAAAAAAAAAAAAAAABQAAAAAAAAAwMD/AAAAAABkAAAAMgAAAAAAAABkAAAAAAAAAH9/fwAKAAAAHwAAAFQAAAD///8A////AQAAAAAAAAAAAAAAAAAAAAAAAAAAAAAAAAAAAAAAAAAAAAAAAH9/fwDu7OEDzMzMAMDA/wB/f38AAAAAAAAAAAAAAAAAAAAAAAAAAAAhAAAAGAAAABQAAADIBQAAiQsAAHpIAACpDwAAEAAAACYAAAAIAAAAAQAAAAAAAAA="/>
+                <pr:smNativeData xmlns:pr="smNativeData" xmlns:p14="http://schemas.microsoft.com/office/powerpoint/2010/main" xmlns="" val="SMDATA_13_eIVQYBMAAAAlAAAAZAAAAA0AAAAAAAAAAAAAAAAAAAAAAAAAAAAAAAAAAAAAAAAAAAEAAABQAAAAAAAAAAAA4D8AAAAAAADgPwAAAAAAAOA/AAAAAAAA4D8AAAAAAADgPwAAAAAAAOA/AAAAAAAA4D8AAAAAAADgPwAAAAAAAOA/AAAAAAAA4D8CAAAAjAAAAAAAAAAAAAAA////AP///wgAAAAAAAAAAAAAAAAAAAAAAAAAAAAAAAAAAAAAeAAAAAEAAABAAAAAAAAAAAAAAABaAAAAAAAAAAAAAAAAAAAAAAAAAAAAAAAAAAAAAAAAAAAAAAAAAAAAAAAAAAAAAAAAAAAAAAAAAAAAAAAAAAAAAAAAAAAAAAAAAAAAFAAAADwAAAAAAAAAAAAAAAAAAAAPAAAAAQAAACMAAAAjAAAAIwAAAB4AAAAAAAAAZAAAAGQAAAAAAAAAZAAAAGQAAAAVAAAAYAAAAAAAAAAAAAAADwAAACADAAAAAAAAAAAAAAEAAACgMgAAVgcAAKr4//8BAAAAf39/AAEAAABkAAAAAAAAABQAAABAHwAAAAAAACYAAAAAAAAAwOD//wAAAAAmAAAAZAAAABYAAABMAAAAAAAAAAAAAAAEAAAAAAAAAAEAAADu7OEKAAAAACgAAAAoAAAAZAAAAGQAAAAAAAAAzMzMAAAAAABQAAAAUAAAAGQAAABkAAAAAAAAABcAAAAUAAAAAAAAAAAAAAD/fwAA/38AAAAAAAAJAAAABAAAAC5kaWEMAAAAEAAAAAAAAAAAAAAAAAAAAAAAAAAeAAAAaAAAAAAAAAAAAAAAAAAAAAAAAAAAAAAAECcAABAnAAAAAAAAAAAAAAAAAAAAAAAAAAAAAAAAAAAAAAAAAAAAABQAAAAAAAAAwMD/AAAAAABkAAAAMgAAAAAAAABkAAAAAAAAAH9/fwAKAAAAHwAAAFQAAAD///8A////AQAAAAAAAAAAAAAAAAAAAAAAAAAAAAAAAAAAAAAAAAAAAAAAAH9/fwDu7OEDzMzMAMDA/wB/f38AAAAAAAAAAAAAAAAAAAAAAAAAAAAhAAAAGAAAABQAAADIBQAAiQsAAHpIAACpDwAAEAAAACYAAAAIAAAAAQAAAAAAAAA="/>
               </a:ext>
             </a:extLst>
           </p:cNvSpPr>
@@ -4711,7 +5237,7 @@
             <a:spLocks noGrp="1" noChangeArrowheads="1"/>
             <a:extLst>
               <a:ext uri="smNativeData">
-                <pr:smNativeData xmlns="" xmlns:p14="http://schemas.microsoft.com/office/powerpoint/2010/main" xmlns:pr="smNativeData" val="SMDATA_13_eIVQYBMAAAAlAAAAZAAAAA0AAAAAAAAAAAAAAAAAAAAAAAAAAAAAAAAAAAAAAAAAAAEAAABQAAAAAAAAAAAA4D8AAAAAAADgPwAAAAAAAOA/AAAAAAAA4D8AAAAAAADgPwAAAAAAAOA/AAAAAAAA4D8AAAAAAADgPwAAAAAAAOA/AAAAAAAA4D8CAAAAjAAAAAAAAAAAAAAA////AP///wgAAAAAAAAAAAAAAAAAAAAAAAAAAAAAAAAAAAAAeAAAAAEAAABAAAAAAAAAAAAAAABaAAAAAAAAAAAAAAAAAAAAAAAAAAAAAAAAAAAAAAAAAAAAAAAAAAAAAAAAAAAAAAAAAAAAAAAAAAAAAAAAAAAAAAAAAAAAAAAAAAAAFAAAADwAAAAAAAAAAAAAAAAAAAAPAAAAAQAAACMAAAAjAAAAIwAAAB4AAAAAAAAAZAAAAGQAAAAAAAAAZAAAAGQAAAAVAAAAYAAAAAAAAAAAAAAADwAAACADAAAAAAAAAAAAAAEAAACgMgAAVgcAAKr4//8BAAAAf39/AAEAAABkAAAAAAAAABQAAABAHwAAAAAAACYAAAAAAAAAwOD//wAAAAAmAAAAZAAAABYAAABMAAAAAAAAAAAAAAAEAAAAAAAAAAEAAADu7OEKAAAAACgAAAAoAAAAZAAAAGQAAAAAAAAAzMzMAAAAAABQAAAAUAAAAGQAAABkAAAAAAAAABcAAAAUAAAAAAAAAAAAAAD/fwAA/38AAAAAAAAJAAAABAAAAAAAAAAMAAAAEAAAAAAAAAAAAAAAAAAAAAAAAAAeAAAAaAAAAAAAAAAAAAAAAAAAAAAAAAAAAAAAECcAABAnAAAAAAAAAAAAAAAAAAAAAAAAAAAAAAAAAAAAAAAAAAAAABQAAAAAAAAAwMD/AAAAAABkAAAAMgAAAAAAAABkAAAAAAAAAH9/fwAKAAAAHwAAAFQAAAD///8A////AQAAAAAAAAAAAAAAAAAAAAAAAAAAAAAAAAAAAAAAAAAAAAAAAH9/fwDu7OEDzMzMAMDA/wB/f38AAAAAAAAAAAAAAAAAAAAAAAAAAAAhAAAAGAAAABQAAADIBQAAwBIAAHpIAADDMgAAEAAAACYAAAAIAAAAAYAAAAAAAAA="/>
+                <pr:smNativeData xmlns:pr="smNativeData" xmlns:p14="http://schemas.microsoft.com/office/powerpoint/2010/main" xmlns="" val="SMDATA_13_eIVQYBMAAAAlAAAAZAAAAA0AAAAAAAAAAAAAAAAAAAAAAAAAAAAAAAAAAAAAAAAAAAEAAABQAAAAAAAAAAAA4D8AAAAAAADgPwAAAAAAAOA/AAAAAAAA4D8AAAAAAADgPwAAAAAAAOA/AAAAAAAA4D8AAAAAAADgPwAAAAAAAOA/AAAAAAAA4D8CAAAAjAAAAAAAAAAAAAAA////AP///wgAAAAAAAAAAAAAAAAAAAAAAAAAAAAAAAAAAAAAeAAAAAEAAABAAAAAAAAAAAAAAABaAAAAAAAAAAAAAAAAAAAAAAAAAAAAAAAAAAAAAAAAAAAAAAAAAAAAAAAAAAAAAAAAAAAAAAAAAAAAAAAAAAAAAAAAAAAAAAAAAAAAFAAAADwAAAAAAAAAAAAAAAAAAAAPAAAAAQAAACMAAAAjAAAAIwAAAB4AAAAAAAAAZAAAAGQAAAAAAAAAZAAAAGQAAAAVAAAAYAAAAAAAAAAAAAAADwAAACADAAAAAAAAAAAAAAEAAACgMgAAVgcAAKr4//8BAAAAf39/AAEAAABkAAAAAAAAABQAAABAHwAAAAAAACYAAAAAAAAAwOD//wAAAAAmAAAAZAAAABYAAABMAAAAAAAAAAAAAAAEAAAAAAAAAAEAAADu7OEKAAAAACgAAAAoAAAAZAAAAGQAAAAAAAAAzMzMAAAAAABQAAAAUAAAAGQAAABkAAAAAAAAABcAAAAUAAAAAAAAAAAAAAD/fwAA/38AAAAAAAAJAAAABAAAAAAAAAAMAAAAEAAAAAAAAAAAAAAAAAAAAAAAAAAeAAAAaAAAAAAAAAAAAAAAAAAAAAAAAAAAAAAAECcAABAnAAAAAAAAAAAAAAAAAAAAAAAAAAAAAAAAAAAAAAAAAAAAABQAAAAAAAAAwMD/AAAAAABkAAAAMgAAAAAAAABkAAAAAAAAAH9/fwAKAAAAHwAAAFQAAAD///8A////AQAAAAAAAAAAAAAAAAAAAAAAAAAAAAAAAAAAAAAAAAAAAAAAAH9/fwDu7OEDzMzMAMDA/wB/f38AAAAAAAAAAAAAAAAAAAAAAAAAAAAhAAAAGAAAABQAAADIBQAAwBIAAHpIAADDMgAAEAAAACYAAAAIAAAAAYAAAAAAAAA="/>
               </a:ext>
             </a:extLst>
           </p:cNvSpPr>
@@ -4910,7 +5436,7 @@
             <a:spLocks noGrp="1" noChangeArrowheads="1"/>
             <a:extLst>
               <a:ext uri="smNativeData">
-                <pr:smNativeData xmlns="" xmlns:p14="http://schemas.microsoft.com/office/powerpoint/2010/main" xmlns:pr="smNativeData" val="SMDATA_13_eIVQYBMAAAAlAAAAZAAAAA0AAAAAAAAAAAAAAAAAAAAAAAAAAAAAAAAAAAAAAAAAAAEAAABQAAAAAAAAAAAA4D8AAAAAAADgPwAAAAAAAOA/AAAAAAAA4D8AAAAAAADgPwAAAAAAAOA/AAAAAAAA4D8AAAAAAADgPwAAAAAAAOA/AAAAAAAA4D8CAAAAjAAAAAAAAAAAAAAA////AP///wgAAAAAAAAAAAAAAAAAAAAAAAAAAAAAAAAAAAAAeAAAAAEAAABAAAAAAAAAAAAAAABaAAAAAAAAAAAAAAAAAAAAAAAAAAAAAAAAAAAAAAAAAAAAAAAAAAAAAAAAAAAAAAAAAAAAAAAAAAAAAAAAAAAAAAAAAAAAAAAAAAAAFAAAADwAAAAAAAAAAAAAAAAAAAAPAAAAAQAAACMAAAAjAAAAIwAAAB4AAAAAAAAAZAAAAGQAAAAAAAAAZAAAAGQAAAAVAAAAYAAAAAAAAAAAAAAADwAAACADAAAAAAAAAAAAAAEAAACgMgAAVgcAAKr4//8BAAAAf39/AAEAAABkAAAAAAAAABQAAABAHwAAAAAAACYAAAAAAAAAwOD//wAAAAAmAAAAZAAAABYAAABMAAAAAAAAAAAAAAAEAAAAAAAAAAEAAADu7OEKAAAAACgAAAAoAAAAZAAAAGQAAAAAAAAAzMzMAAAAAABQAAAAUAAAAGQAAABkAAAAAAAAABcAAAAUAAAAAAAAAAAAAAD/fwAA/38AAAAAAAAJAAAABAAAAAAAAAAMAAAAEAAAAAAAAAAAAAAAAAAAAAAAAAAeAAAAaAAAAAAAAAAAAAAAAAAAAAAAAAAAAAAAECcAABAnAAAAAAAAAAAAAAAAAAAAAAAAAAAAAAAAAAAAAAAAAAAAABQAAAAAAAAAwMD/AAAAAABkAAAAMgAAAAAAAABkAAAAAAAAAH9/fwAKAAAAHwAAAFQAAAD///8A////AQAAAAAAAAAAAAAAAAAAAAAAAAAAAAAAAAAAAAAAAAAAAAAAAH9/fwDu7OEDzMzMAMDA/wB/f38AAAAAAAAAAAAAAAAAAAAAAAAAAAAhAAAAGAAAABQAAADqAQAA4DgAAPAKAACYOgAAEAAAACYAAAAIAAAAAAAAAAAAAAA="/>
+                <pr:smNativeData xmlns:pr="smNativeData" xmlns:p14="http://schemas.microsoft.com/office/powerpoint/2010/main" xmlns="" val="SMDATA_13_eIVQYBMAAAAlAAAAZAAAAA0AAAAAAAAAAAAAAAAAAAAAAAAAAAAAAAAAAAAAAAAAAAEAAABQAAAAAAAAAAAA4D8AAAAAAADgPwAAAAAAAOA/AAAAAAAA4D8AAAAAAADgPwAAAAAAAOA/AAAAAAAA4D8AAAAAAADgPwAAAAAAAOA/AAAAAAAA4D8CAAAAjAAAAAAAAAAAAAAA////AP///wgAAAAAAAAAAAAAAAAAAAAAAAAAAAAAAAAAAAAAeAAAAAEAAABAAAAAAAAAAAAAAABaAAAAAAAAAAAAAAAAAAAAAAAAAAAAAAAAAAAAAAAAAAAAAAAAAAAAAAAAAAAAAAAAAAAAAAAAAAAAAAAAAAAAAAAAAAAAAAAAAAAAFAAAADwAAAAAAAAAAAAAAAAAAAAPAAAAAQAAACMAAAAjAAAAIwAAAB4AAAAAAAAAZAAAAGQAAAAAAAAAZAAAAGQAAAAVAAAAYAAAAAAAAAAAAAAADwAAACADAAAAAAAAAAAAAAEAAACgMgAAVgcAAKr4//8BAAAAf39/AAEAAABkAAAAAAAAABQAAABAHwAAAAAAACYAAAAAAAAAwOD//wAAAAAmAAAAZAAAABYAAABMAAAAAAAAAAAAAAAEAAAAAAAAAAEAAADu7OEKAAAAACgAAAAoAAAAZAAAAGQAAAAAAAAAzMzMAAAAAABQAAAAUAAAAGQAAABkAAAAAAAAABcAAAAUAAAAAAAAAAAAAAD/fwAA/38AAAAAAAAJAAAABAAAAAAAAAAMAAAAEAAAAAAAAAAAAAAAAAAAAAAAAAAeAAAAaAAAAAAAAAAAAAAAAAAAAAAAAAAAAAAAECcAABAnAAAAAAAAAAAAAAAAAAAAAAAAAAAAAAAAAAAAAAAAAAAAABQAAAAAAAAAwMD/AAAAAABkAAAAMgAAAAAAAABkAAAAAAAAAH9/fwAKAAAAHwAAAFQAAAD///8A////AQAAAAAAAAAAAAAAAAAAAAAAAAAAAAAAAAAAAAAAAAAAAAAAAH9/fwDu7OEDzMzMAMDA/wB/f38AAAAAAAAAAAAAAAAAAAAAAAAAAAAhAAAAGAAAABQAAADqAQAA4DgAAPAKAACYOgAAEAAAACYAAAAIAAAAAAAAAAAAAAA="/>
               </a:ext>
             </a:extLst>
           </p:cNvSpPr>
@@ -4939,7 +5465,7 @@
             <a:spLocks noGrp="1" noChangeArrowheads="1"/>
             <a:extLst>
               <a:ext uri="smNativeData">
-                <pr:smNativeData xmlns="" xmlns:p14="http://schemas.microsoft.com/office/powerpoint/2010/main" xmlns:pr="smNativeData" val="SMDATA_13_eIVQYBMAAAAlAAAAZAAAAA0AAAAAAAAAAAAAAAAAAAAAAAAAAAAAAAAAAAAAAAAAAAEAAABQAAAAAAAAAAAA4D8AAAAAAADgPwAAAAAAAOA/AAAAAAAA4D8AAAAAAADgPwAAAAAAAOA/AAAAAAAA4D8AAAAAAADgPwAAAAAAAOA/AAAAAAAA4D8CAAAAjAAAAAAAAAAAAAAA////AP///wgAAAAAAAAAAAAAAAAAAAAAAAAAAAAAAAAAAAAAeAAAAAEAAABAAAAAAAAAAAAAAABaAAAAAAAAAAAAAAAAAAAAAAAAAAAAAAAAAAAAAAAAAAAAAAAAAAAAAAAAAAAAAAAAAAAAAAAAAAAAAAAAAAAAAAAAAAAAAAAAAAAAFAAAADwAAAAAAAAAAAAAAAAAAAAPAAAAAQAAACMAAAAjAAAAIwAAAB4AAAAAAAAAZAAAAGQAAAAAAAAAZAAAAGQAAAAVAAAAYAAAAAAAAAAAAAAADwAAACADAAAAAAAAAAAAAAEAAACgMgAAVgcAAKr4//8BAAAAf39/AAEAAABkAAAAAAAAABQAAABAHwAAAAAAACYAAAAAAAAAwOD//wAAAAAmAAAAZAAAABYAAABMAAAAAAAAAAAAAAAEAAAAAAAAAAEAAADu7OEKAAAAACgAAAAoAAAAZAAAAGQAAAAAAAAAzMzMAAAAAABQAAAAUAAAAGQAAABkAAAAAAAAABcAAAAUAAAAAAAAAAAAAAD/fwAA/38AAAAAAAAJAAAABAAAAAAAAAAMAAAAEAAAAAAAAAAAAAAAAAAAAAAAAAAeAAAAaAAAAAAAAAAAAAAAAAAAAAAAAAAAAAAAECcAABAnAAAAAAAAAAAAAAAAAAAAAAAAAAAAAAAAAAAAAAAAAAAAABQAAAAAAAAAwMD/AAAAAABkAAAAMgAAAAAAAABkAAAAAAAAAH9/fwAKAAAAHwAAAFQAAAD///8A////AQAAAAAAAAAAAAAAAAAAAAAAAAAAAAAAAAAAAAAAAAAAAAAAAH9/fwDu7OEDzMzMAMDA/wB/f38AAAAAAAAAAAAAAAAAAAAAAAAAAAAhAAAAGAAAABQAAADQSAAAGDkAABZOAACYOgAAEAAAACYAAAAIAAAAAAAAAAAAAAA="/>
+                <pr:smNativeData xmlns:pr="smNativeData" xmlns:p14="http://schemas.microsoft.com/office/powerpoint/2010/main" xmlns="" val="SMDATA_13_eIVQYBMAAAAlAAAAZAAAAA0AAAAAAAAAAAAAAAAAAAAAAAAAAAAAAAAAAAAAAAAAAAEAAABQAAAAAAAAAAAA4D8AAAAAAADgPwAAAAAAAOA/AAAAAAAA4D8AAAAAAADgPwAAAAAAAOA/AAAAAAAA4D8AAAAAAADgPwAAAAAAAOA/AAAAAAAA4D8CAAAAjAAAAAAAAAAAAAAA////AP///wgAAAAAAAAAAAAAAAAAAAAAAAAAAAAAAAAAAAAAeAAAAAEAAABAAAAAAAAAAAAAAABaAAAAAAAAAAAAAAAAAAAAAAAAAAAAAAAAAAAAAAAAAAAAAAAAAAAAAAAAAAAAAAAAAAAAAAAAAAAAAAAAAAAAAAAAAAAAAAAAAAAAFAAAADwAAAAAAAAAAAAAAAAAAAAPAAAAAQAAACMAAAAjAAAAIwAAAB4AAAAAAAAAZAAAAGQAAAAAAAAAZAAAAGQAAAAVAAAAYAAAAAAAAAAAAAAADwAAACADAAAAAAAAAAAAAAEAAACgMgAAVgcAAKr4//8BAAAAf39/AAEAAABkAAAAAAAAABQAAABAHwAAAAAAACYAAAAAAAAAwOD//wAAAAAmAAAAZAAAABYAAABMAAAAAAAAAAAAAAAEAAAAAAAAAAEAAADu7OEKAAAAACgAAAAoAAAAZAAAAGQAAAAAAAAAzMzMAAAAAABQAAAAUAAAAGQAAABkAAAAAAAAABcAAAAUAAAAAAAAAAAAAAD/fwAA/38AAAAAAAAJAAAABAAAAAAAAAAMAAAAEAAAAAAAAAAAAAAAAAAAAAAAAAAeAAAAaAAAAAAAAAAAAAAAAAAAAAAAAAAAAAAAECcAABAnAAAAAAAAAAAAAAAAAAAAAAAAAAAAAAAAAAAAAAAAAAAAABQAAAAAAAAAwMD/AAAAAABkAAAAMgAAAAAAAABkAAAAAAAAAH9/fwAKAAAAHwAAAFQAAAD///8A////AQAAAAAAAAAAAAAAAAAAAAAAAAAAAAAAAAAAAAAAAAAAAAAAAH9/fwDu7OEDzMzMAMDA/wB/f38AAAAAAAAAAAAAAAAAAAAAAAAAAAAhAAAAGAAAABQAAADQSAAAGDkAABZOAACYOgAAEAAAACYAAAAIAAAAAAAAAAAAAAA="/>
               </a:ext>
             </a:extLst>
           </p:cNvSpPr>
@@ -4999,7 +5525,7 @@
             <a:spLocks noGrp="1" noChangeArrowheads="1"/>
             <a:extLst>
               <a:ext uri="smNativeData">
-                <pr:smNativeData xmlns:pr="smNativeData" xmlns:p14="http://schemas.microsoft.com/office/powerpoint/2010/main" xmlns="" val="SMDATA_13_eIVQYBMAAAAlAAAAZAAAAA0AAAAAAAAAAAAAAAAAAAAAAAAAAAAAAAAAAAAAAAAAAAEAAABQAAAAAAAAAAAA4D8AAAAAAADgPwAAAAAAAOA/AAAAAAAA4D8AAAAAAADgPwAAAAAAAOA/AAAAAAAA4D8AAAAAAADgPwAAAAAAAOA/AAAAAAAA4D8CAAAAjAAAAAAAAAAAAAAA////AP///wgAAAAAAAAAAAAAAAAAAAAAAAAAAAAAAAAAAAAAeAAAAAEAAABAAAAAAAAAAAAAAABaAAAAAAAAAAAAAAAAAAAAAAAAAAAAAAAAAAAAAAAAAAAAAAAAAAAAAAAAAAAAAAAAAAAAAAAAAAAAAAAAAAAAAAAAAAAAAAAAAAAAFAAAADwAAAAAAAAAAAAAAAAAAAAPAAAAAQAAACMAAAAjAAAAIwAAAB4AAAAAAAAAZAAAAGQAAAAAAAAAZAAAAGQAAAAVAAAAYAAAAAAAAAAAAAAADwAAACADAAAAAAAAAAAAAAEAAACgMgAAVgcAAKr4//8BAAAAf39/AAEAAABkAAAAAAAAABQAAABAHwAAAAAAACYAAAAAAAAAwOD//wAAAAAmAAAAZAAAABYAAABMAAAAAAAAAAAAAAAEAAAAAAAAAAEAAADu7OEKAAAAACgAAAAoAAAAZAAAAGQAAAAAAAAAzMzMAAAAAABQAAAAUAAAAGQAAABkAAAAAAAAABcAAAAUAAAAAAAAAAAAAAD/fwAA/38AAAAAAAAJAAAABAAAAGyRchUMAAAAEAAAAAAAAAAAAAAAAAAAAAAAAAAeAAAAaAAAAAAAAAAAAAAAAAAAAAAAAAAAAAAAECcAABAnAAAAAAAAAAAAAAAAAAAAAAAAAAAAAAAAAAAAAAAAAAAAABQAAAAAAAAAwMD/AAAAAABkAAAAMgAAAAAAAABkAAAAAAAAAH9/fwAKAAAAHwAAAFQAAAD///8A////AQAAAAAAAAAAAAAAAAAAAAAAAAAAAAAAAAAAAAAAAAAAAAAAAH9/fwDu7OEDzMzMAMDA/wB/f38AAAAAAAAAAAAAAAAAAAAAAAAAAAAhAAAAGAAAABQAAADIBQAAiQsAAHpIAACpDwAAEAAAACYAAAAIAAAAAQAAAAAAAAA="/>
+                <pr:smNativeData xmlns="" xmlns:p14="http://schemas.microsoft.com/office/powerpoint/2010/main" xmlns:pr="smNativeData" val="SMDATA_13_eIVQYBMAAAAlAAAAZAAAAA0AAAAAAAAAAAAAAAAAAAAAAAAAAAAAAAAAAAAAAAAAAAEAAABQAAAAAAAAAAAA4D8AAAAAAADgPwAAAAAAAOA/AAAAAAAA4D8AAAAAAADgPwAAAAAAAOA/AAAAAAAA4D8AAAAAAADgPwAAAAAAAOA/AAAAAAAA4D8CAAAAjAAAAAAAAAAAAAAA////AP///wgAAAAAAAAAAAAAAAAAAAAAAAAAAAAAAAAAAAAAeAAAAAEAAABAAAAAAAAAAAAAAABaAAAAAAAAAAAAAAAAAAAAAAAAAAAAAAAAAAAAAAAAAAAAAAAAAAAAAAAAAAAAAAAAAAAAAAAAAAAAAAAAAAAAAAAAAAAAAAAAAAAAFAAAADwAAAAAAAAAAAAAAAAAAAAPAAAAAQAAACMAAAAjAAAAIwAAAB4AAAAAAAAAZAAAAGQAAAAAAAAAZAAAAGQAAAAVAAAAYAAAAAAAAAAAAAAADwAAACADAAAAAAAAAAAAAAEAAACgMgAAVgcAAKr4//8BAAAAf39/AAEAAABkAAAAAAAAABQAAABAHwAAAAAAACYAAAAAAAAAwOD//wAAAAAmAAAAZAAAABYAAABMAAAAAAAAAAAAAAAEAAAAAAAAAAEAAADu7OEKAAAAACgAAAAoAAAAZAAAAGQAAAAAAAAAzMzMAAAAAABQAAAAUAAAAGQAAABkAAAAAAAAABcAAAAUAAAAAAAAAAAAAAD/fwAA/38AAAAAAAAJAAAABAAAAGyRchUMAAAAEAAAAAAAAAAAAAAAAAAAAAAAAAAeAAAAaAAAAAAAAAAAAAAAAAAAAAAAAAAAAAAAECcAABAnAAAAAAAAAAAAAAAAAAAAAAAAAAAAAAAAAAAAAAAAAAAAABQAAAAAAAAAwMD/AAAAAABkAAAAMgAAAAAAAABkAAAAAAAAAH9/fwAKAAAAHwAAAFQAAAD///8A////AQAAAAAAAAAAAAAAAAAAAAAAAAAAAAAAAAAAAAAAAAAAAAAAAH9/fwDu7OEDzMzMAMDA/wB/f38AAAAAAAAAAAAAAAAAAAAAAAAAAAAhAAAAGAAAABQAAADIBQAAiQsAAHpIAACpDwAAEAAAACYAAAAIAAAAAQAAAAAAAAA="/>
               </a:ext>
             </a:extLst>
           </p:cNvSpPr>
@@ -5034,7 +5560,7 @@
             <a:spLocks noGrp="1" noChangeArrowheads="1"/>
             <a:extLst>
               <a:ext uri="smNativeData">
-                <pr:smNativeData xmlns:pr="smNativeData" xmlns:p14="http://schemas.microsoft.com/office/powerpoint/2010/main" xmlns="" val="SMDATA_13_eIVQYBMAAAAlAAAAZAAAAA0AAAAAAAAAAAAAAAAAAAAAAAAAAAAAAAAAAAAAAAAAAAEAAABQAAAAAAAAAAAA4D8AAAAAAADgPwAAAAAAAOA/AAAAAAAA4D8AAAAAAADgPwAAAAAAAOA/AAAAAAAA4D8AAAAAAADgPwAAAAAAAOA/AAAAAAAA4D8CAAAAjAAAAAAAAAAAAAAA////AP///wgAAAAAAAAAAAAAAAAAAAAAAAAAAAAAAAAAAAAAeAAAAAEAAABAAAAAAAAAAAAAAABaAAAAAAAAAAAAAAAAAAAAAAAAAAAAAAAAAAAAAAAAAAAAAAAAAAAAAAAAAAAAAAAAAAAAAAAAAAAAAAAAAAAAAAAAAAAAAAAAAAAAFAAAADwAAAAAAAAAAAAAAAAAAAAPAAAAAQAAACMAAAAjAAAAIwAAAB4AAAAAAAAAZAAAAGQAAAAAAAAAZAAAAGQAAAAVAAAAYAAAAAAAAAAAAAAADwAAACADAAAAAAAAAAAAAAEAAACgMgAAVgcAAKr4//8BAAAAf39/AAEAAABkAAAAAAAAABQAAABAHwAAAAAAACYAAAAAAAAAwOD//wAAAAAmAAAAZAAAABYAAABMAAAAAAAAAAAAAAAEAAAAAAAAAAEAAADu7OEKAAAAACgAAAAoAAAAZAAAAGQAAAAAAAAAzMzMAAAAAABQAAAAUAAAAGQAAABkAAAAAAAAABcAAAAUAAAAAAAAAAAAAAD/fwAA/38AAAAAAAAJAAAABAAAAAAAAAAMAAAAEAAAAAAAAAAAAAAAAAAAAAAAAAAeAAAAaAAAAAAAAAAAAAAAAAAAAAAAAAAAAAAAECcAABAnAAAAAAAAAAAAAAAAAAAAAAAAAAAAAAAAAAAAAAAAAAAAABQAAAAAAAAAwMD/AAAAAABkAAAAMgAAAAAAAABkAAAAAAAAAH9/fwAKAAAAHwAAAFQAAAD///8A////AQAAAAAAAAAAAAAAAAAAAAAAAAAAAAAAAAAAAAAAAAAAAAAAAH9/fwDu7OEDzMzMAMDA/wB/f38AAAAAAAAAAAAAAAAAAAAAAAAAAAAhAAAAGAAAABQAAADIBQAAwBIAAHpIAABnJgAAEAAAACYAAAAIAAAAAYAAAAAAAAA="/>
+                <pr:smNativeData xmlns="" xmlns:p14="http://schemas.microsoft.com/office/powerpoint/2010/main" xmlns:pr="smNativeData" val="SMDATA_13_eIVQYBMAAAAlAAAAZAAAAA0AAAAAAAAAAAAAAAAAAAAAAAAAAAAAAAAAAAAAAAAAAAEAAABQAAAAAAAAAAAA4D8AAAAAAADgPwAAAAAAAOA/AAAAAAAA4D8AAAAAAADgPwAAAAAAAOA/AAAAAAAA4D8AAAAAAADgPwAAAAAAAOA/AAAAAAAA4D8CAAAAjAAAAAAAAAAAAAAA////AP///wgAAAAAAAAAAAAAAAAAAAAAAAAAAAAAAAAAAAAAeAAAAAEAAABAAAAAAAAAAAAAAABaAAAAAAAAAAAAAAAAAAAAAAAAAAAAAAAAAAAAAAAAAAAAAAAAAAAAAAAAAAAAAAAAAAAAAAAAAAAAAAAAAAAAAAAAAAAAAAAAAAAAFAAAADwAAAAAAAAAAAAAAAAAAAAPAAAAAQAAACMAAAAjAAAAIwAAAB4AAAAAAAAAZAAAAGQAAAAAAAAAZAAAAGQAAAAVAAAAYAAAAAAAAAAAAAAADwAAACADAAAAAAAAAAAAAAEAAACgMgAAVgcAAKr4//8BAAAAf39/AAEAAABkAAAAAAAAABQAAABAHwAAAAAAACYAAAAAAAAAwOD//wAAAAAmAAAAZAAAABYAAABMAAAAAAAAAAAAAAAEAAAAAAAAAAEAAADu7OEKAAAAACgAAAAoAAAAZAAAAGQAAAAAAAAAzMzMAAAAAABQAAAAUAAAAGQAAABkAAAAAAAAABcAAAAUAAAAAAAAAAAAAAD/fwAA/38AAAAAAAAJAAAABAAAAAAAAAAMAAAAEAAAAAAAAAAAAAAAAAAAAAAAAAAeAAAAaAAAAAAAAAAAAAAAAAAAAAAAAAAAAAAAECcAABAnAAAAAAAAAAAAAAAAAAAAAAAAAAAAAAAAAAAAAAAAAAAAABQAAAAAAAAAwMD/AAAAAABkAAAAMgAAAAAAAABkAAAAAAAAAH9/fwAKAAAAHwAAAFQAAAD///8A////AQAAAAAAAAAAAAAAAAAAAAAAAAAAAAAAAAAAAAAAAAAAAAAAAH9/fwDu7OEDzMzMAMDA/wB/f38AAAAAAAAAAAAAAAAAAAAAAAAAAAAhAAAAGAAAABQAAADIBQAAwBIAAHpIAABnJgAAEAAAACYAAAAIAAAAAYAAAAAAAAA="/>
               </a:ext>
             </a:extLst>
           </p:cNvSpPr>
@@ -5222,7 +5748,7 @@
             <a:spLocks noGrp="1" noChangeArrowheads="1"/>
             <a:extLst>
               <a:ext uri="smNativeData">
-                <pr:smNativeData xmlns:pr="smNativeData" xmlns:p14="http://schemas.microsoft.com/office/powerpoint/2010/main" xmlns="" val="SMDATA_13_eIVQYBMAAAAlAAAAZAAAAA0AAAAAAAAAAAAAAAAAAAAAAAAAAAAAAAAAAAAAAAAAAAEAAABQAAAAAAAAAAAA4D8AAAAAAADgPwAAAAAAAOA/AAAAAAAA4D8AAAAAAADgPwAAAAAAAOA/AAAAAAAA4D8AAAAAAADgPwAAAAAAAOA/AAAAAAAA4D8CAAAAjAAAAAAAAAAAAAAA////AP///wgAAAAAAAAAAAAAAAAAAAAAAAAAAAAAAAAAAAAAeAAAAAEAAABAAAAAAAAAAAAAAABaAAAAAAAAAAAAAAAAAAAAAAAAAAAAAAAAAAAAAAAAAAAAAAAAAAAAAAAAAAAAAAAAAAAAAAAAAAAAAAAAAAAAAAAAAAAAAAAAAAAAFAAAADwAAAAAAAAAAAAAAAAAAAAPAAAAAQAAACMAAAAjAAAAIwAAAB4AAAAAAAAAZAAAAGQAAAAAAAAAZAAAAGQAAAAVAAAAYAAAAAAAAAAAAAAADwAAACADAAAAAAAAAAAAAAEAAACgMgAAVgcAAKr4//8BAAAAf39/AAEAAABkAAAAAAAAABQAAABAHwAAAAAAACYAAAAAAAAAwOD//wAAAAAmAAAAZAAAABYAAABMAAAAAAAAAAAAAAAEAAAAAAAAAAEAAADu7OEKAAAAACgAAAAoAAAAZAAAAGQAAAAAAAAAzMzMAAAAAABQAAAAUAAAAGQAAABkAAAAAAAAABcAAAAUAAAAAAAAAAAAAAD/fwAA/38AAAAAAAAJAAAABAAAAAAAAAAMAAAAEAAAAAAAAAAAAAAAAAAAAAAAAAAeAAAAaAAAAAAAAAAAAAAAAAAAAAAAAAAAAAAAECcAABAnAAAAAAAAAAAAAAAAAAAAAAAAAAAAAAAAAAAAAAAAAAAAABQAAAAAAAAAwMD/AAAAAABkAAAAMgAAAAAAAABkAAAAAAAAAH9/fwAKAAAAHwAAAFQAAAD///8A////AQAAAAAAAAAAAAAAAAAAAAAAAAAAAAAAAAAAAAAAAAAAAAAAAH9/fwDu7OEDzMzMAMDA/wB/f38AAAAAAAAAAAAAAAAAAAAAAAAAAAAhAAAAGAAAABQAAADqAQAA4DgAAPAKAACYOgAAEAAAACYAAAAIAAAAAAAAAAAAAAA="/>
+                <pr:smNativeData xmlns="" xmlns:p14="http://schemas.microsoft.com/office/powerpoint/2010/main" xmlns:pr="smNativeData" val="SMDATA_13_eIVQYBMAAAAlAAAAZAAAAA0AAAAAAAAAAAAAAAAAAAAAAAAAAAAAAAAAAAAAAAAAAAEAAABQAAAAAAAAAAAA4D8AAAAAAADgPwAAAAAAAOA/AAAAAAAA4D8AAAAAAADgPwAAAAAAAOA/AAAAAAAA4D8AAAAAAADgPwAAAAAAAOA/AAAAAAAA4D8CAAAAjAAAAAAAAAAAAAAA////AP///wgAAAAAAAAAAAAAAAAAAAAAAAAAAAAAAAAAAAAAeAAAAAEAAABAAAAAAAAAAAAAAABaAAAAAAAAAAAAAAAAAAAAAAAAAAAAAAAAAAAAAAAAAAAAAAAAAAAAAAAAAAAAAAAAAAAAAAAAAAAAAAAAAAAAAAAAAAAAAAAAAAAAFAAAADwAAAAAAAAAAAAAAAAAAAAPAAAAAQAAACMAAAAjAAAAIwAAAB4AAAAAAAAAZAAAAGQAAAAAAAAAZAAAAGQAAAAVAAAAYAAAAAAAAAAAAAAADwAAACADAAAAAAAAAAAAAAEAAACgMgAAVgcAAKr4//8BAAAAf39/AAEAAABkAAAAAAAAABQAAABAHwAAAAAAACYAAAAAAAAAwOD//wAAAAAmAAAAZAAAABYAAABMAAAAAAAAAAAAAAAEAAAAAAAAAAEAAADu7OEKAAAAACgAAAAoAAAAZAAAAGQAAAAAAAAAzMzMAAAAAABQAAAAUAAAAGQAAABkAAAAAAAAABcAAAAUAAAAAAAAAAAAAAD/fwAA/38AAAAAAAAJAAAABAAAAAAAAAAMAAAAEAAAAAAAAAAAAAAAAAAAAAAAAAAeAAAAaAAAAAAAAAAAAAAAAAAAAAAAAAAAAAAAECcAABAnAAAAAAAAAAAAAAAAAAAAAAAAAAAAAAAAAAAAAAAAAAAAABQAAAAAAAAAwMD/AAAAAABkAAAAMgAAAAAAAABkAAAAAAAAAH9/fwAKAAAAHwAAAFQAAAD///8A////AQAAAAAAAAAAAAAAAAAAAAAAAAAAAAAAAAAAAAAAAAAAAAAAAH9/fwDu7OEDzMzMAMDA/wB/f38AAAAAAAAAAAAAAAAAAAAAAAAAAAAhAAAAGAAAABQAAADqAQAA4DgAAPAKAACYOgAAEAAAACYAAAAIAAAAAAAAAAAAAAA="/>
               </a:ext>
             </a:extLst>
           </p:cNvSpPr>
@@ -5251,7 +5777,7 @@
             <a:spLocks noGrp="1" noChangeArrowheads="1"/>
             <a:extLst>
               <a:ext uri="smNativeData">
-                <pr:smNativeData xmlns:pr="smNativeData" xmlns:p14="http://schemas.microsoft.com/office/powerpoint/2010/main" xmlns="" val="SMDATA_13_eIVQYBMAAAAlAAAAZAAAAA0AAAAAAAAAAAAAAAAAAAAAAAAAAAAAAAAAAAAAAAAAAAEAAABQAAAAAAAAAAAA4D8AAAAAAADgPwAAAAAAAOA/AAAAAAAA4D8AAAAAAADgPwAAAAAAAOA/AAAAAAAA4D8AAAAAAADgPwAAAAAAAOA/AAAAAAAA4D8CAAAAjAAAAAAAAAAAAAAA////AP///wgAAAAAAAAAAAAAAAAAAAAAAAAAAAAAAAAAAAAAeAAAAAEAAABAAAAAAAAAAAAAAABaAAAAAAAAAAAAAAAAAAAAAAAAAAAAAAAAAAAAAAAAAAAAAAAAAAAAAAAAAAAAAAAAAAAAAAAAAAAAAAAAAAAAAAAAAAAAAAAAAAAAFAAAADwAAAAAAAAAAAAAAAAAAAAPAAAAAQAAACMAAAAjAAAAIwAAAB4AAAAAAAAAZAAAAGQAAAAAAAAAZAAAAGQAAAAVAAAAYAAAAAAAAAAAAAAADwAAACADAAAAAAAAAAAAAAEAAACgMgAAVgcAAKr4//8BAAAAf39/AAEAAABkAAAAAAAAABQAAABAHwAAAAAAACYAAAAAAAAAwOD//wAAAAAmAAAAZAAAABYAAABMAAAAAAAAAAAAAAAEAAAAAAAAAAEAAADu7OEKAAAAACgAAAAoAAAAZAAAAGQAAAAAAAAAzMzMAAAAAABQAAAAUAAAAGQAAABkAAAAAAAAABcAAAAUAAAAAAAAAAAAAAD/fwAA/38AAAAAAAAJAAAABAAAAAAAAAAMAAAAEAAAAAAAAAAAAAAAAAAAAAAAAAAeAAAAaAAAAAAAAAAAAAAAAAAAAAAAAAAAAAAAECcAABAnAAAAAAAAAAAAAAAAAAAAAAAAAAAAAAAAAAAAAAAAAAAAABQAAAAAAAAAwMD/AAAAAABkAAAAMgAAAAAAAABkAAAAAAAAAH9/fwAKAAAAHwAAAFQAAAD///8A////AQAAAAAAAAAAAAAAAAAAAAAAAAAAAAAAAAAAAAAAAAAAAAAAAH9/fwDu7OEDzMzMAMDA/wB/f38AAAAAAAAAAAAAAAAAAAAAAAAAAAAhAAAAGAAAABQAAADQSAAAGDkAABZOAACYOgAAEAAAACYAAAAIAAAAAAAAAAAAAAA="/>
+                <pr:smNativeData xmlns="" xmlns:p14="http://schemas.microsoft.com/office/powerpoint/2010/main" xmlns:pr="smNativeData" val="SMDATA_13_eIVQYBMAAAAlAAAAZAAAAA0AAAAAAAAAAAAAAAAAAAAAAAAAAAAAAAAAAAAAAAAAAAEAAABQAAAAAAAAAAAA4D8AAAAAAADgPwAAAAAAAOA/AAAAAAAA4D8AAAAAAADgPwAAAAAAAOA/AAAAAAAA4D8AAAAAAADgPwAAAAAAAOA/AAAAAAAA4D8CAAAAjAAAAAAAAAAAAAAA////AP///wgAAAAAAAAAAAAAAAAAAAAAAAAAAAAAAAAAAAAAeAAAAAEAAABAAAAAAAAAAAAAAABaAAAAAAAAAAAAAAAAAAAAAAAAAAAAAAAAAAAAAAAAAAAAAAAAAAAAAAAAAAAAAAAAAAAAAAAAAAAAAAAAAAAAAAAAAAAAAAAAAAAAFAAAADwAAAAAAAAAAAAAAAAAAAAPAAAAAQAAACMAAAAjAAAAIwAAAB4AAAAAAAAAZAAAAGQAAAAAAAAAZAAAAGQAAAAVAAAAYAAAAAAAAAAAAAAADwAAACADAAAAAAAAAAAAAAEAAACgMgAAVgcAAKr4//8BAAAAf39/AAEAAABkAAAAAAAAABQAAABAHwAAAAAAACYAAAAAAAAAwOD//wAAAAAmAAAAZAAAABYAAABMAAAAAAAAAAAAAAAEAAAAAAAAAAEAAADu7OEKAAAAACgAAAAoAAAAZAAAAGQAAAAAAAAAzMzMAAAAAABQAAAAUAAAAGQAAABkAAAAAAAAABcAAAAUAAAAAAAAAAAAAAD/fwAA/38AAAAAAAAJAAAABAAAAAAAAAAMAAAAEAAAAAAAAAAAAAAAAAAAAAAAAAAeAAAAaAAAAAAAAAAAAAAAAAAAAAAAAAAAAAAAECcAABAnAAAAAAAAAAAAAAAAAAAAAAAAAAAAAAAAAAAAAAAAAAAAABQAAAAAAAAAwMD/AAAAAABkAAAAMgAAAAAAAABkAAAAAAAAAH9/fwAKAAAAHwAAAFQAAAD///8A////AQAAAAAAAAAAAAAAAAAAAAAAAAAAAAAAAAAAAAAAAAAAAAAAAH9/fwDu7OEDzMzMAMDA/wB/f38AAAAAAAAAAAAAAAAAAAAAAAAAAAAhAAAAGAAAABQAAADQSAAAGDkAABZOAACYOgAAEAAAACYAAAAIAAAAAAAAAAAAAAA="/>
               </a:ext>
             </a:extLst>
           </p:cNvSpPr>
@@ -5281,14 +5807,14 @@
             <a:picLocks noChangeAspect="1"/>
             <a:extLst>
               <a:ext uri="smNativeData">
-                <pr:smNativeData xmlns:pr="smNativeData" xmlns:p14="http://schemas.microsoft.com/office/powerpoint/2010/main" xmlns="" val="SMDATA_15_eIVQYBMAAAAlAAAAEQAAAC0AAAAAkAAAAEgAAACQAAAASAAAAAAAAAAAAAAAAAAAAAEAAABQAAAAAAAAAAAA4D8AAAAAAADgPwAAAAAAAOA/AAAAAAAA4D8AAAAAAADgPwAAAAAAAOA/AAAAAAAA4D8AAAAAAADgPwAAAAAAAOA/AAAAAAAA4D8CAAAAjAAAAAAAAAAAAAAAT4G9DP///wgAAAAAAAAAAAAAAAAAAAAAAAAAAAAAAAAAAAAAZAAAAAEAAABAAAAAAAAAAAAAAAAAAAAAAAAAAAAAAAAAAAAAAAAAAAAAAAAAAAAAAAAAAAAAAAAAAAAAAAAAAAAAAAAAAAAAAAAAAAAAAAAAAAAAAAAAAAAAAAAAAAAAFAAAADwAAAAAAAAAAAAAAAAAAAkUAAAAAQAAABQAAAAUAAAAFAAAAAEAAAAAAAAAZAAAAGQAAAAAAAAAZAAAAGQAAAAVAAAAYAAAAAAAAAAAAAAADwAAACADAAAAAAAAAAAAAAEAAACgMgAAVgcAAKr4//8BAAAAf39/AAEAAABkAAAAAAAAABQAAABAHwAAAAAAACYAAAAAAAAAwOD//wAAAAAmAAAAZAAAABYAAABMAAAAAAAAAAAAAAAEAAAAAAAAAAEAAADu7OEKAAAAACgAAAAoAAAAZAAAAGQAAAAAAAAAzMzMAAAAAABQAAAAUAAAAGQAAABkAAAAAAAAAAcAAAA4AAAAAAAAAAAAAAAAAAAA////AAAAAAAAAAAAAAAAAAAAAAAAAAAAAAAAAAAAAABkAAAAZAAAAAAAAAAjAAAABAAAAGQAAAAXAAAAFAAAAAAAAAAAAAAA/38AAP9/AAAAAAAACQAAAAQAAAAAAAAADAAAABAAAAAAAAAAAAAAAAAAAAAAAAAAHgAAAGgAAAAAAAAAAAAAAAAAAAAAAAAAAAAAABAnAAAQJwAAAAAAAAAAAAAAAAAAAAAAAAAAAAAAAAAAAAAAAAAAAAAUAAAAAAAAAMDA/wAAAAAAZAAAADIAAAAAAAAAZAAAAAAAAAB/f38ACgAAAB8AAABUAAAAT4G9Bf///wEAAAAAAAAAAAAAAAAAAAAAAAAAAAAAAAAAAAAAAAAAAAAAAAJ/f38A7uzhA8zMzADAwP8Af39/AAAAAAAAAAAAAAAAAP///wAAAAAAIQAAABgAAAAUAAAAlTkAAMIQAABzSwAAoCIAABAAAAAmAAAACAAAAP//////////"/>
+                <pr:smNativeData xmlns="" xmlns:p14="http://schemas.microsoft.com/office/powerpoint/2010/main" xmlns:pr="smNativeData" val="SMDATA_15_eIVQYBMAAAAlAAAAEQAAAC0AAAAAkAAAAEgAAACQAAAASAAAAAAAAAAAAAAAAAAAAAEAAABQAAAAAAAAAAAA4D8AAAAAAADgPwAAAAAAAOA/AAAAAAAA4D8AAAAAAADgPwAAAAAAAOA/AAAAAAAA4D8AAAAAAADgPwAAAAAAAOA/AAAAAAAA4D8CAAAAjAAAAAAAAAAAAAAAT4G9DP///wgAAAAAAAAAAAAAAAAAAAAAAAAAAAAAAAAAAAAAZAAAAAEAAABAAAAAAAAAAAAAAAAAAAAAAAAAAAAAAAAAAAAAAAAAAAAAAAAAAAAAAAAAAAAAAAAAAAAAAAAAAAAAAAAAAAAAAAAAAAAAAAAAAAAAAAAAAAAAAAAAAAAAFAAAADwAAAAAAAAAAAAAAAAAAAkUAAAAAQAAABQAAAAUAAAAFAAAAAEAAAAAAAAAZAAAAGQAAAAAAAAAZAAAAGQAAAAVAAAAYAAAAAAAAAAAAAAADwAAACADAAAAAAAAAAAAAAEAAACgMgAAVgcAAKr4//8BAAAAf39/AAEAAABkAAAAAAAAABQAAABAHwAAAAAAACYAAAAAAAAAwOD//wAAAAAmAAAAZAAAABYAAABMAAAAAAAAAAAAAAAEAAAAAAAAAAEAAADu7OEKAAAAACgAAAAoAAAAZAAAAGQAAAAAAAAAzMzMAAAAAABQAAAAUAAAAGQAAABkAAAAAAAAAAcAAAA4AAAAAAAAAAAAAAAAAAAA////AAAAAAAAAAAAAAAAAAAAAAAAAAAAAAAAAAAAAABkAAAAZAAAAAAAAAAjAAAABAAAAGQAAAAXAAAAFAAAAAAAAAAAAAAA/38AAP9/AAAAAAAACQAAAAQAAAAAAAAADAAAABAAAAAAAAAAAAAAAAAAAAAAAAAAHgAAAGgAAAAAAAAAAAAAAAAAAAAAAAAAAAAAABAnAAAQJwAAAAAAAAAAAAAAAAAAAAAAAAAAAAAAAAAAAAAAAAAAAAAUAAAAAAAAAMDA/wAAAAAAZAAAADIAAAAAAAAAZAAAAAAAAAB/f38ACgAAAB8AAABUAAAAT4G9Bf///wEAAAAAAAAAAAAAAAAAAAAAAAAAAAAAAAAAAAAAAAAAAAAAAAJ/f38A7uzhA8zMzADAwP8Af39/AAAAAAAAAAAAAAAAAP///wAAAAAAIQAAABgAAAAUAAAAlTkAAMIQAABzSwAAoCIAABAAAAAmAAAACAAAAP//////////"/>
               </a:ext>
             </a:extLst>
           </p:cNvPicPr>
           <p:nvPr/>
         </p:nvPicPr>
         <p:blipFill>
-          <a:blip r:embed="rId2"/>
+          <a:blip r:embed="rId3"/>
           <a:stretch>
             <a:fillRect/>
           </a:stretch>
@@ -5315,14 +5841,14 @@
             <a:picLocks noChangeAspect="1"/>
             <a:extLst>
               <a:ext uri="smNativeData">
-                <pr:smNativeData xmlns:pr="smNativeData" xmlns:p14="http://schemas.microsoft.com/office/powerpoint/2010/main" xmlns="" val="SMDATA_15_eIVQYBMAAAAlAAAAEQAAAC0AAAAAkAAAAEgAAACQAAAASAAAAAAAAAAAAAAAAAAAAAEAAABQAAAAAAAAAAAA4D8AAAAAAADgPwAAAAAAAOA/AAAAAAAA4D8AAAAAAADgPwAAAAAAAOA/AAAAAAAA4D8AAAAAAADgPwAAAAAAAOA/AAAAAAAA4D8CAAAAjAAAAAAAAAAAAAAAT4G9DP///wgAAAAAAAAAAAAAAAAAAAAAAAAAAAAAAAAAAAAAZAAAAAEAAABAAAAAAAAAAAAAAAAAAAAAAAAAAAAAAAAAAAAAAAAAAAAAAAAAAAAAAAAAAAAAAAAAAAAAAAAAAAAAAAAAAAAAAAAAAAAAAAAAAAAAAAAAAAAAAAAAAAAAFAAAADwAAAAAAAAAAAAAAAAAAAkUAAAAAQAAABQAAAAUAAAAFAAAAAEAAAAAAAAAZAAAAGQAAAAAAAAAZAAAAGQAAAAVAAAAYAAAAAAAAAAAAAAADwAAACADAAAAAAAAAAAAAAEAAACgMgAAVgcAAKr4//8BAAAAf39/AAEAAABkAAAAAAAAABQAAABAHwAAAAAAACYAAAAAAAAAwOD//wAAAAAmAAAAZAAAABYAAABMAAAAAAAAAAAAAAAEAAAAAAAAAAEAAADu7OEKAAAAACgAAAAoAAAAZAAAAGQAAAAAAAAAzMzMAAAAAABQAAAAUAAAAGQAAABkAAAAAAAAAAcAAAA4AAAAAAAAAAAAAAAAAAAA////AAAAAAAAAAAAAAAAAAAAAAAAAAAAAAAAAAAAAABkAAAAZAAAAAAAAAAjAAAABAAAAGQAAAAXAAAAFAAAAAAAAAAAAAAA/38AAP9/AAAAAAAACQAAAAQAAAAAAAAADAAAABAAAAAAAAAAAAAAAAAAAAAAAAAAHgAAAGgAAAAAAAAAAAAAAAAAAAAAAAAAAAAAABAnAAAQJwAAAAAAAAAAAAAAAAAAAAAAAAAAAAAAAAAAAAAAAAAAAAAUAAAAAAAAAMDA/wAAAAAAZAAAADIAAAAAAAAAZAAAAAAAAAB/f38ACgAAAB8AAABUAAAAT4G9Bf///wEAAAAAAAAAAAAAAAAAAAAAAAAAAAAAAAAAAAAAAAAAAAAAAAJ/f38A7uzhA8zMzADAwP8Af39/AAAAAAAAAAAAAAAAAP///wAAAAAAIQAAABgAAAAUAAAA5yQAAMIQAADFNgAAoCIAABAAAAAmAAAACAAAAP//////////"/>
+                <pr:smNativeData xmlns="" xmlns:p14="http://schemas.microsoft.com/office/powerpoint/2010/main" xmlns:pr="smNativeData" val="SMDATA_15_eIVQYBMAAAAlAAAAEQAAAC0AAAAAkAAAAEgAAACQAAAASAAAAAAAAAAAAAAAAAAAAAEAAABQAAAAAAAAAAAA4D8AAAAAAADgPwAAAAAAAOA/AAAAAAAA4D8AAAAAAADgPwAAAAAAAOA/AAAAAAAA4D8AAAAAAADgPwAAAAAAAOA/AAAAAAAA4D8CAAAAjAAAAAAAAAAAAAAAT4G9DP///wgAAAAAAAAAAAAAAAAAAAAAAAAAAAAAAAAAAAAAZAAAAAEAAABAAAAAAAAAAAAAAAAAAAAAAAAAAAAAAAAAAAAAAAAAAAAAAAAAAAAAAAAAAAAAAAAAAAAAAAAAAAAAAAAAAAAAAAAAAAAAAAAAAAAAAAAAAAAAAAAAAAAAFAAAADwAAAAAAAAAAAAAAAAAAAkUAAAAAQAAABQAAAAUAAAAFAAAAAEAAAAAAAAAZAAAAGQAAAAAAAAAZAAAAGQAAAAVAAAAYAAAAAAAAAAAAAAADwAAACADAAAAAAAAAAAAAAEAAACgMgAAVgcAAKr4//8BAAAAf39/AAEAAABkAAAAAAAAABQAAABAHwAAAAAAACYAAAAAAAAAwOD//wAAAAAmAAAAZAAAABYAAABMAAAAAAAAAAAAAAAEAAAAAAAAAAEAAADu7OEKAAAAACgAAAAoAAAAZAAAAGQAAAAAAAAAzMzMAAAAAABQAAAAUAAAAGQAAABkAAAAAAAAAAcAAAA4AAAAAAAAAAAAAAAAAAAA////AAAAAAAAAAAAAAAAAAAAAAAAAAAAAAAAAAAAAABkAAAAZAAAAAAAAAAjAAAABAAAAGQAAAAXAAAAFAAAAAAAAAAAAAAA/38AAP9/AAAAAAAACQAAAAQAAAAAAAAADAAAABAAAAAAAAAAAAAAAAAAAAAAAAAAHgAAAGgAAAAAAAAAAAAAAAAAAAAAAAAAAAAAABAnAAAQJwAAAAAAAAAAAAAAAAAAAAAAAAAAAAAAAAAAAAAAAAAAAAAUAAAAAAAAAMDA/wAAAAAAZAAAADIAAAAAAAAAZAAAAAAAAAB/f38ACgAAAB8AAABUAAAAT4G9Bf///wEAAAAAAAAAAAAAAAAAAAAAAAAAAAAAAAAAAAAAAAAAAAAAAAJ/f38A7uzhA8zMzADAwP8Af39/AAAAAAAAAAAAAAAAAP///wAAAAAAIQAAABgAAAAUAAAA5yQAAMIQAADFNgAAoCIAABAAAAAmAAAACAAAAP//////////"/>
               </a:ext>
             </a:extLst>
           </p:cNvPicPr>
           <p:nvPr/>
         </p:nvPicPr>
         <p:blipFill>
-          <a:blip r:embed="rId3"/>
+          <a:blip r:embed="rId4"/>
           <a:stretch>
             <a:fillRect/>
           </a:stretch>
@@ -5349,14 +5875,14 @@
             <a:picLocks noChangeAspect="1"/>
             <a:extLst>
               <a:ext uri="smNativeData">
-                <pr:smNativeData xmlns:pr="smNativeData" xmlns:p14="http://schemas.microsoft.com/office/powerpoint/2010/main" xmlns="" val="SMDATA_15_eIVQYBMAAAAlAAAAEQAAAC0AAAAAkAAAAEgAAACQAAAASAAAAAAAAAAAAAAAAAAAAAEAAABQAAAAAAAAAAAA4D8AAAAAAADgPwAAAAAAAOA/AAAAAAAA4D8AAAAAAADgPwAAAAAAAOA/AAAAAAAA4D8AAAAAAADgPwAAAAAAAOA/AAAAAAAA4D8CAAAAjAAAAAAAAAAAAAAAT4G9DP///wgAAAAAAAAAAAAAAAAAAAAAAAAAAAAAAAAAAAAAZAAAAAEAAABAAAAAAAAAAAAAAAAAAAAAAAAAAAAAAAAAAAAAAAAAAAAAAAAAAAAAAAAAAAAAAAAAAAAAAAAAAAAAAAAAAAAAAAAAAAAAAAAAAAAAAAAAAAAAAAAAAAAAFAAAADwAAAAAAAAAAAAAAAAAAAkUAAAAAQAAABQAAAAUAAAAFAAAAAEAAAAAAAAAZAAAAGQAAAAAAAAAZAAAAGQAAAAVAAAAYAAAAAAAAAAAAAAADwAAACADAAAAAAAAAAAAAAEAAACgMgAAVgcAAKr4//8BAAAAf39/AAEAAABkAAAAAAAAABQAAABAHwAAAAAAACYAAAAAAAAAwOD//wAAAAAmAAAAZAAAABYAAABMAAAAAAAAAAAAAAAEAAAAAAAAAAEAAADu7OEKAAAAACgAAAAoAAAAZAAAAGQAAAAAAAAAzMzMAAAAAABQAAAAUAAAAGQAAABkAAAAAAAAAAcAAAA4AAAAAAAAAAAAAAAAAAAA////AAAAAAAAAAAAAAAAAAAAAAAAAAAAAAAAAAAAAABkAAAAZAAAAAAAAAAjAAAABAAAAGQAAAAXAAAAFAAAAAAAAAAAAAAA/38AAP9/AAAAAAAACQAAAAQAAAAAAAAADAAAABAAAAAAAAAAAAAAAAAAAAAAAAAAHgAAAGgAAAAAAAAAAAAAAAAAAAAAAAAAAAAAABAnAAAQJwAAAAAAAAAAAAAAAAAAAAAAAAAAAAAAAAAAAAAAAAAAAAAUAAAAAAAAAMDA/wAAAAAAZAAAADIAAAAAAAAAZAAAAAAAAAB/f38ACgAAAB8AAABUAAAAT4G9Bf///wEAAAAAAAAAAAAAAAAAAAAAAAAAAAAAAAAAAAAAAAAAAAAAAAJ/f38A7uzhA8zMzADAwP8Af39/AAAAAAAAAAAAAAAAAP///wAAAAAAIQAAABgAAAAUAAAAPi8AAIMiAAAcQQAAYTQAABAAAAAmAAAACAAAAP//////////"/>
+                <pr:smNativeData xmlns="" xmlns:p14="http://schemas.microsoft.com/office/powerpoint/2010/main" xmlns:pr="smNativeData" val="SMDATA_15_eIVQYBMAAAAlAAAAEQAAAC0AAAAAkAAAAEgAAACQAAAASAAAAAAAAAAAAAAAAAAAAAEAAABQAAAAAAAAAAAA4D8AAAAAAADgPwAAAAAAAOA/AAAAAAAA4D8AAAAAAADgPwAAAAAAAOA/AAAAAAAA4D8AAAAAAADgPwAAAAAAAOA/AAAAAAAA4D8CAAAAjAAAAAAAAAAAAAAAT4G9DP///wgAAAAAAAAAAAAAAAAAAAAAAAAAAAAAAAAAAAAAZAAAAAEAAABAAAAAAAAAAAAAAAAAAAAAAAAAAAAAAAAAAAAAAAAAAAAAAAAAAAAAAAAAAAAAAAAAAAAAAAAAAAAAAAAAAAAAAAAAAAAAAAAAAAAAAAAAAAAAAAAAAAAAFAAAADwAAAAAAAAAAAAAAAAAAAkUAAAAAQAAABQAAAAUAAAAFAAAAAEAAAAAAAAAZAAAAGQAAAAAAAAAZAAAAGQAAAAVAAAAYAAAAAAAAAAAAAAADwAAACADAAAAAAAAAAAAAAEAAACgMgAAVgcAAKr4//8BAAAAf39/AAEAAABkAAAAAAAAABQAAABAHwAAAAAAACYAAAAAAAAAwOD//wAAAAAmAAAAZAAAABYAAABMAAAAAAAAAAAAAAAEAAAAAAAAAAEAAADu7OEKAAAAACgAAAAoAAAAZAAAAGQAAAAAAAAAzMzMAAAAAABQAAAAUAAAAGQAAABkAAAAAAAAAAcAAAA4AAAAAAAAAAAAAAAAAAAA////AAAAAAAAAAAAAAAAAAAAAAAAAAAAAAAAAAAAAABkAAAAZAAAAAAAAAAjAAAABAAAAGQAAAAXAAAAFAAAAAAAAAAAAAAA/38AAP9/AAAAAAAACQAAAAQAAAAAAAAADAAAABAAAAAAAAAAAAAAAAAAAAAAAAAAHgAAAGgAAAAAAAAAAAAAAAAAAAAAAAAAAAAAABAnAAAQJwAAAAAAAAAAAAAAAAAAAAAAAAAAAAAAAAAAAAAAAAAAAAAUAAAAAAAAAMDA/wAAAAAAZAAAADIAAAAAAAAAZAAAAAAAAAB/f38ACgAAAB8AAABUAAAAT4G9Bf///wEAAAAAAAAAAAAAAAAAAAAAAAAAAAAAAAAAAAAAAAAAAAAAAAJ/f38A7uzhA8zMzADAwP8Af39/AAAAAAAAAAAAAAAAAP///wAAAAAAIQAAABgAAAAUAAAAPi8AAIMiAAAcQQAAYTQAABAAAAAmAAAACAAAAP//////////"/>
               </a:ext>
             </a:extLst>
           </p:cNvPicPr>
           <p:nvPr/>
         </p:nvPicPr>
         <p:blipFill>
-          <a:blip r:embed="rId4"/>
+          <a:blip r:embed="rId5"/>
           <a:stretch>
             <a:fillRect/>
           </a:stretch>
@@ -5408,7 +5934,7 @@
             <a:spLocks noGrp="1" noChangeArrowheads="1"/>
             <a:extLst>
               <a:ext uri="smNativeData">
-                <pr:smNativeData xmlns:pr="smNativeData" xmlns:p14="http://schemas.microsoft.com/office/powerpoint/2010/main" xmlns="" val="SMDATA_13_eIVQYBMAAAAlAAAAZAAAAA0AAAAAAAAAAAAAAAAAAAAAAAAAAAAAAAAAAAAAAAAAAAEAAABQAAAAAAAAAAAA4D8AAAAAAADgPwAAAAAAAOA/AAAAAAAA4D8AAAAAAADgPwAAAAAAAOA/AAAAAAAA4D8AAAAAAADgPwAAAAAAAOA/AAAAAAAA4D8CAAAAjAAAAAAAAAAAAAAA////AP///wgAAAAAAAAAAAAAAAAAAAAAAAAAAAAAAAAAAAAAeAAAAAEAAABAAAAAAAAAAAAAAABaAAAAAAAAAAAAAAAAAAAAAAAAAAAAAAAAAAAAAAAAAAAAAAAAAAAAAAAAAAAAAAAAAAAAAAAAAAAAAAAAAAAAAAAAAAAAAAAAAAAAFAAAADwAAAAAAAAAAAAAAAAAAAAPAAAAAQAAACMAAAAjAAAAIwAAAB4AAAAAAAAAZAAAAGQAAAAAAAAAZAAAAGQAAAAVAAAAYAAAAAAAAAAAAAAADwAAACADAAAAAAAAAAAAAAEAAACgMgAAVgcAAKr4//8BAAAAf39/AAEAAABkAAAAAAAAABQAAABAHwAAAAAAACYAAAAAAAAAwOD//wAAAAAmAAAAZAAAABYAAABMAAAAAAAAAAAAAAAEAAAAAAAAAAEAAADu7OEKAAAAACgAAAAoAAAAZAAAAGQAAAAAAAAAzMzMAAAAAABQAAAAUAAAAGQAAABkAAAAAAAAABcAAAAUAAAAAAAAAAAAAAD/fwAA/38AAAAAAAAJAAAABAAAAAAAAAAMAAAAEAAAAAAAAAAAAAAAAAAAAAAAAAAeAAAAaAAAAAAAAAAAAAAAAAAAAAAAAAAAAAAAECcAABAnAAAAAAAAAAAAAAAAAAAAAAAAAAAAAAAAAAAAAAAAAAAAABQAAAAAAAAAwMD/AAAAAABkAAAAMgAAAAAAAABkAAAAAAAAAH9/fwAKAAAAHwAAAFQAAAD///8A////AQAAAAAAAAAAAAAAAAAAAAAAAAAAAAAAAAAAAAAAAAAAAAAAAH9/fwDu7OEDzMzMAMDA/wB/f38AAAAAAAAAAAAAAAAAAAAAAAAAAAAhAAAAGAAAABQAAADIBQAAiQsAAHpIAACpDwAAEAAAACYAAAAIAAAAAQAAAAAAAAA="/>
+                <pr:smNativeData xmlns="" xmlns:p14="http://schemas.microsoft.com/office/powerpoint/2010/main" xmlns:pr="smNativeData" val="SMDATA_13_eIVQYBMAAAAlAAAAZAAAAA0AAAAAAAAAAAAAAAAAAAAAAAAAAAAAAAAAAAAAAAAAAAEAAABQAAAAAAAAAAAA4D8AAAAAAADgPwAAAAAAAOA/AAAAAAAA4D8AAAAAAADgPwAAAAAAAOA/AAAAAAAA4D8AAAAAAADgPwAAAAAAAOA/AAAAAAAA4D8CAAAAjAAAAAAAAAAAAAAA////AP///wgAAAAAAAAAAAAAAAAAAAAAAAAAAAAAAAAAAAAAeAAAAAEAAABAAAAAAAAAAAAAAABaAAAAAAAAAAAAAAAAAAAAAAAAAAAAAAAAAAAAAAAAAAAAAAAAAAAAAAAAAAAAAAAAAAAAAAAAAAAAAAAAAAAAAAAAAAAAAAAAAAAAFAAAADwAAAAAAAAAAAAAAAAAAAAPAAAAAQAAACMAAAAjAAAAIwAAAB4AAAAAAAAAZAAAAGQAAAAAAAAAZAAAAGQAAAAVAAAAYAAAAAAAAAAAAAAADwAAACADAAAAAAAAAAAAAAEAAACgMgAAVgcAAKr4//8BAAAAf39/AAEAAABkAAAAAAAAABQAAABAHwAAAAAAACYAAAAAAAAAwOD//wAAAAAmAAAAZAAAABYAAABMAAAAAAAAAAAAAAAEAAAAAAAAAAEAAADu7OEKAAAAACgAAAAoAAAAZAAAAGQAAAAAAAAAzMzMAAAAAABQAAAAUAAAAGQAAABkAAAAAAAAABcAAAAUAAAAAAAAAAAAAAD/fwAA/38AAAAAAAAJAAAABAAAAAAAAAAMAAAAEAAAAAAAAAAAAAAAAAAAAAAAAAAeAAAAaAAAAAAAAAAAAAAAAAAAAAAAAAAAAAAAECcAABAnAAAAAAAAAAAAAAAAAAAAAAAAAAAAAAAAAAAAAAAAAAAAABQAAAAAAAAAwMD/AAAAAABkAAAAMgAAAAAAAABkAAAAAAAAAH9/fwAKAAAAHwAAAFQAAAD///8A////AQAAAAAAAAAAAAAAAAAAAAAAAAAAAAAAAAAAAAAAAAAAAAAAAH9/fwDu7OEDzMzMAMDA/wB/f38AAAAAAAAAAAAAAAAAAAAAAAAAAAAhAAAAGAAAABQAAADIBQAAiQsAAHpIAACpDwAAEAAAACYAAAAIAAAAAQAAAAAAAAA="/>
               </a:ext>
             </a:extLst>
           </p:cNvSpPr>
@@ -5443,7 +5969,7 @@
             <a:spLocks noGrp="1" noChangeArrowheads="1"/>
             <a:extLst>
               <a:ext uri="smNativeData">
-                <pr:smNativeData xmlns:pr="smNativeData" xmlns:p14="http://schemas.microsoft.com/office/powerpoint/2010/main" xmlns="" val="SMDATA_13_eIVQYBMAAAAlAAAAZAAAAA0AAAAAAAAAAAAAAAAAAAAAAAAAAAAAAAAAAAAAAAAAAAEAAABQAAAAAAAAAAAA4D8AAAAAAADgPwAAAAAAAOA/AAAAAAAA4D8AAAAAAADgPwAAAAAAAOA/AAAAAAAA4D8AAAAAAADgPwAAAAAAAOA/AAAAAAAA4D8CAAAAjAAAAAAAAAAAAAAA////AP///wgAAAAAAAAAAAAAAAAAAAAAAAAAAAAAAAAAAAAAeAAAAAEAAABAAAAAAAAAAAAAAABaAAAAAAAAAAAAAAAAAAAAAAAAAAAAAAAAAAAAAAAAAAAAAAAAAAAAAAAAAAAAAAAAAAAAAAAAAAAAAAAAAAAAAAAAAAAAAAAAAAAAFAAAADwAAAAAAAAAAAAAAAAAAAAPAAAAAQAAACMAAAAjAAAAIwAAAB4AAAAAAAAAZAAAAGQAAAAAAAAAZAAAAGQAAAAVAAAAYAAAAAAAAAAAAAAADwAAACADAAAAAAAAAAAAAAEAAACgMgAAVgcAAKr4//8BAAAAf39/AAEAAABkAAAAAAAAABQAAABAHwAAAAAAACYAAAAAAAAAwOD//wAAAAAmAAAAZAAAABYAAABMAAAAAAAAAAAAAAAEAAAAAAAAAAEAAADu7OEKAAAAACgAAAAoAAAAZAAAAGQAAAAAAAAAzMzMAAAAAABQAAAAUAAAAGQAAABkAAAAAAAAABcAAAAUAAAAAAAAAAAAAAD/fwAA/38AAAAAAAAJAAAABAAAAAAAAAAMAAAAEAAAAAAAAAAAAAAAAAAAAAAAAAAeAAAAaAAAAAAAAAAAAAAAAAAAAAAAAAAAAAAAECcAABAnAAAAAAAAAAAAAAAAAAAAAAAAAAAAAAAAAAAAAAAAAAAAABQAAAAAAAAAwMD/AAAAAABkAAAAMgAAAAAAAABkAAAAAAAAAH9/fwAKAAAAHwAAAFQAAAD///8A////AQAAAAAAAAAAAAAAAAAAAAAAAAAAAAAAAAAAAAAAAAAAAAAAAH9/fwDu7OEDzMzMAMDA/wB/f38AAAAAAAAAAAAAAAAAAAAAAAAAAAAhAAAAGAAAABQAAADIBQAAwBIAAHpIAADoLQAAEAAAACYAAAAIAAAAAYAAAAAAAAA="/>
+                <pr:smNativeData xmlns="" xmlns:p14="http://schemas.microsoft.com/office/powerpoint/2010/main" xmlns:pr="smNativeData" val="SMDATA_13_eIVQYBMAAAAlAAAAZAAAAA0AAAAAAAAAAAAAAAAAAAAAAAAAAAAAAAAAAAAAAAAAAAEAAABQAAAAAAAAAAAA4D8AAAAAAADgPwAAAAAAAOA/AAAAAAAA4D8AAAAAAADgPwAAAAAAAOA/AAAAAAAA4D8AAAAAAADgPwAAAAAAAOA/AAAAAAAA4D8CAAAAjAAAAAAAAAAAAAAA////AP///wgAAAAAAAAAAAAAAAAAAAAAAAAAAAAAAAAAAAAAeAAAAAEAAABAAAAAAAAAAAAAAABaAAAAAAAAAAAAAAAAAAAAAAAAAAAAAAAAAAAAAAAAAAAAAAAAAAAAAAAAAAAAAAAAAAAAAAAAAAAAAAAAAAAAAAAAAAAAAAAAAAAAFAAAADwAAAAAAAAAAAAAAAAAAAAPAAAAAQAAACMAAAAjAAAAIwAAAB4AAAAAAAAAZAAAAGQAAAAAAAAAZAAAAGQAAAAVAAAAYAAAAAAAAAAAAAAADwAAACADAAAAAAAAAAAAAAEAAACgMgAAVgcAAKr4//8BAAAAf39/AAEAAABkAAAAAAAAABQAAABAHwAAAAAAACYAAAAAAAAAwOD//wAAAAAmAAAAZAAAABYAAABMAAAAAAAAAAAAAAAEAAAAAAAAAAEAAADu7OEKAAAAACgAAAAoAAAAZAAAAGQAAAAAAAAAzMzMAAAAAABQAAAAUAAAAGQAAABkAAAAAAAAABcAAAAUAAAAAAAAAAAAAAD/fwAA/38AAAAAAAAJAAAABAAAAAAAAAAMAAAAEAAAAAAAAAAAAAAAAAAAAAAAAAAeAAAAaAAAAAAAAAAAAAAAAAAAAAAAAAAAAAAAECcAABAnAAAAAAAAAAAAAAAAAAAAAAAAAAAAAAAAAAAAAAAAAAAAABQAAAAAAAAAwMD/AAAAAABkAAAAMgAAAAAAAABkAAAAAAAAAH9/fwAKAAAAHwAAAFQAAAD///8A////AQAAAAAAAAAAAAAAAAAAAAAAAAAAAAAAAAAAAAAAAAAAAAAAAH9/fwDu7OEDzMzMAMDA/wB/f38AAAAAAAAAAAAAAAAAAAAAAAAAAAAhAAAAGAAAABQAAADIBQAAwBIAAHpIAADoLQAAEAAAACYAAAAIAAAAAYAAAAAAAAA="/>
               </a:ext>
             </a:extLst>
           </p:cNvSpPr>
@@ -5624,7 +6150,7 @@
             <a:spLocks noGrp="1" noChangeArrowheads="1"/>
             <a:extLst>
               <a:ext uri="smNativeData">
-                <pr:smNativeData xmlns:pr="smNativeData" xmlns:p14="http://schemas.microsoft.com/office/powerpoint/2010/main" xmlns="" val="SMDATA_13_eIVQYBMAAAAlAAAAZAAAAA0AAAAAAAAAAAAAAAAAAAAAAAAAAAAAAAAAAAAAAAAAAAEAAABQAAAAAAAAAAAA4D8AAAAAAADgPwAAAAAAAOA/AAAAAAAA4D8AAAAAAADgPwAAAAAAAOA/AAAAAAAA4D8AAAAAAADgPwAAAAAAAOA/AAAAAAAA4D8CAAAAjAAAAAAAAAAAAAAA////AP///wgAAAAAAAAAAAAAAAAAAAAAAAAAAAAAAAAAAAAAeAAAAAEAAABAAAAAAAAAAAAAAABaAAAAAAAAAAAAAAAAAAAAAAAAAAAAAAAAAAAAAAAAAAAAAAAAAAAAAAAAAAAAAAAAAAAAAAAAAAAAAAAAAAAAAAAAAAAAAAAAAAAAFAAAADwAAAAAAAAAAAAAAAAAAAAPAAAAAQAAACMAAAAjAAAAIwAAAB4AAAAAAAAAZAAAAGQAAAAAAAAAZAAAAGQAAAAVAAAAYAAAAAAAAAAAAAAADwAAACADAAAAAAAAAAAAAAEAAACgMgAAVgcAAKr4//8BAAAAf39/AAEAAABkAAAAAAAAABQAAABAHwAAAAAAACYAAAAAAAAAwOD//wAAAAAmAAAAZAAAABYAAABMAAAAAAAAAAAAAAAEAAAAAAAAAAEAAADu7OEKAAAAACgAAAAoAAAAZAAAAGQAAAAAAAAAzMzMAAAAAABQAAAAUAAAAGQAAABkAAAAAAAAABcAAAAUAAAAAAAAAAAAAAD/fwAA/38AAAAAAAAJAAAABAAAAAAAAAAMAAAAEAAAAAAAAAAAAAAAAAAAAAAAAAAeAAAAaAAAAAAAAAAAAAAAAAAAAAAAAAAAAAAAECcAABAnAAAAAAAAAAAAAAAAAAAAAAAAAAAAAAAAAAAAAAAAAAAAABQAAAAAAAAAwMD/AAAAAABkAAAAMgAAAAAAAABkAAAAAAAAAH9/fwAKAAAAHwAAAFQAAAD///8A////AQAAAAAAAAAAAAAAAAAAAAAAAAAAAAAAAAAAAAAAAAAAAAAAAH9/fwDu7OEDzMzMAMDA/wB/f38AAAAAAAAAAAAAAAAAAAAAAAAAAAAhAAAAGAAAABQAAADqAQAA4DgAAPAKAACYOgAAEAAAACYAAAAIAAAAAAAAAAAAAAA="/>
+                <pr:smNativeData xmlns="" xmlns:p14="http://schemas.microsoft.com/office/powerpoint/2010/main" xmlns:pr="smNativeData" val="SMDATA_13_eIVQYBMAAAAlAAAAZAAAAA0AAAAAAAAAAAAAAAAAAAAAAAAAAAAAAAAAAAAAAAAAAAEAAABQAAAAAAAAAAAA4D8AAAAAAADgPwAAAAAAAOA/AAAAAAAA4D8AAAAAAADgPwAAAAAAAOA/AAAAAAAA4D8AAAAAAADgPwAAAAAAAOA/AAAAAAAA4D8CAAAAjAAAAAAAAAAAAAAA////AP///wgAAAAAAAAAAAAAAAAAAAAAAAAAAAAAAAAAAAAAeAAAAAEAAABAAAAAAAAAAAAAAABaAAAAAAAAAAAAAAAAAAAAAAAAAAAAAAAAAAAAAAAAAAAAAAAAAAAAAAAAAAAAAAAAAAAAAAAAAAAAAAAAAAAAAAAAAAAAAAAAAAAAFAAAADwAAAAAAAAAAAAAAAAAAAAPAAAAAQAAACMAAAAjAAAAIwAAAB4AAAAAAAAAZAAAAGQAAAAAAAAAZAAAAGQAAAAVAAAAYAAAAAAAAAAAAAAADwAAACADAAAAAAAAAAAAAAEAAACgMgAAVgcAAKr4//8BAAAAf39/AAEAAABkAAAAAAAAABQAAABAHwAAAAAAACYAAAAAAAAAwOD//wAAAAAmAAAAZAAAABYAAABMAAAAAAAAAAAAAAAEAAAAAAAAAAEAAADu7OEKAAAAACgAAAAoAAAAZAAAAGQAAAAAAAAAzMzMAAAAAABQAAAAUAAAAGQAAABkAAAAAAAAABcAAAAUAAAAAAAAAAAAAAD/fwAA/38AAAAAAAAJAAAABAAAAAAAAAAMAAAAEAAAAAAAAAAAAAAAAAAAAAAAAAAeAAAAaAAAAAAAAAAAAAAAAAAAAAAAAAAAAAAAECcAABAnAAAAAAAAAAAAAAAAAAAAAAAAAAAAAAAAAAAAAAAAAAAAABQAAAAAAAAAwMD/AAAAAABkAAAAMgAAAAAAAABkAAAAAAAAAH9/fwAKAAAAHwAAAFQAAAD///8A////AQAAAAAAAAAAAAAAAAAAAAAAAAAAAAAAAAAAAAAAAAAAAAAAAH9/fwDu7OEDzMzMAMDA/wB/f38AAAAAAAAAAAAAAAAAAAAAAAAAAAAhAAAAGAAAABQAAADqAQAA4DgAAPAKAACYOgAAEAAAACYAAAAIAAAAAAAAAAAAAAA="/>
               </a:ext>
             </a:extLst>
           </p:cNvSpPr>
@@ -5653,7 +6179,7 @@
             <a:spLocks noGrp="1" noChangeArrowheads="1"/>
             <a:extLst>
               <a:ext uri="smNativeData">
-                <pr:smNativeData xmlns:pr="smNativeData" xmlns:p14="http://schemas.microsoft.com/office/powerpoint/2010/main" xmlns="" val="SMDATA_13_eIVQYBMAAAAlAAAAZAAAAA0AAAAAAAAAAAAAAAAAAAAAAAAAAAAAAAAAAAAAAAAAAAEAAABQAAAAAAAAAAAA4D8AAAAAAADgPwAAAAAAAOA/AAAAAAAA4D8AAAAAAADgPwAAAAAAAOA/AAAAAAAA4D8AAAAAAADgPwAAAAAAAOA/AAAAAAAA4D8CAAAAjAAAAAAAAAAAAAAA////AP///wgAAAAAAAAAAAAAAAAAAAAAAAAAAAAAAAAAAAAAeAAAAAEAAABAAAAAAAAAAAAAAABaAAAAAAAAAAAAAAAAAAAAAAAAAAAAAAAAAAAAAAAAAAAAAAAAAAAAAAAAAAAAAAAAAAAAAAAAAAAAAAAAAAAAAAAAAAAAAAAAAAAAFAAAADwAAAAAAAAAAAAAAAAAAAAPAAAAAQAAACMAAAAjAAAAIwAAAB4AAAAAAAAAZAAAAGQAAAAAAAAAZAAAAGQAAAAVAAAAYAAAAAAAAAAAAAAADwAAACADAAAAAAAAAAAAAAEAAACgMgAAVgcAAKr4//8BAAAAf39/AAEAAABkAAAAAAAAABQAAABAHwAAAAAAACYAAAAAAAAAwOD//wAAAAAmAAAAZAAAABYAAABMAAAAAAAAAAAAAAAEAAAAAAAAAAEAAADu7OEKAAAAACgAAAAoAAAAZAAAAGQAAAAAAAAAzMzMAAAAAABQAAAAUAAAAGQAAABkAAAAAAAAABcAAAAUAAAAAAAAAAAAAAD/fwAA/38AAAAAAAAJAAAABAAAAPw8XMEMAAAAEAAAAAAAAAAAAAAAAAAAAAAAAAAeAAAAaAAAAAAAAAAAAAAAAAAAAAAAAAAAAAAAECcAABAnAAAAAAAAAAAAAAAAAAAAAAAAAAAAAAAAAAAAAAAAAAAAABQAAAAAAAAAwMD/AAAAAABkAAAAMgAAAAAAAABkAAAAAAAAAH9/fwAKAAAAHwAAAFQAAAD///8A////AQAAAAAAAAAAAAAAAAAAAAAAAAAAAAAAAAAAAAAAAAAAAAAAAH9/fwDu7OEDzMzMAMDA/wB/f38AAAAAAAAAAAAAAAAAAAAAAAAAAAAhAAAAGAAAABQAAADQSAAAGDkAABZOAACYOgAAEAAAACYAAAAIAAAAAAAAAAAAAAA="/>
+                <pr:smNativeData xmlns="" xmlns:p14="http://schemas.microsoft.com/office/powerpoint/2010/main" xmlns:pr="smNativeData" val="SMDATA_13_eIVQYBMAAAAlAAAAZAAAAA0AAAAAAAAAAAAAAAAAAAAAAAAAAAAAAAAAAAAAAAAAAAEAAABQAAAAAAAAAAAA4D8AAAAAAADgPwAAAAAAAOA/AAAAAAAA4D8AAAAAAADgPwAAAAAAAOA/AAAAAAAA4D8AAAAAAADgPwAAAAAAAOA/AAAAAAAA4D8CAAAAjAAAAAAAAAAAAAAA////AP///wgAAAAAAAAAAAAAAAAAAAAAAAAAAAAAAAAAAAAAeAAAAAEAAABAAAAAAAAAAAAAAABaAAAAAAAAAAAAAAAAAAAAAAAAAAAAAAAAAAAAAAAAAAAAAAAAAAAAAAAAAAAAAAAAAAAAAAAAAAAAAAAAAAAAAAAAAAAAAAAAAAAAFAAAADwAAAAAAAAAAAAAAAAAAAAPAAAAAQAAACMAAAAjAAAAIwAAAB4AAAAAAAAAZAAAAGQAAAAAAAAAZAAAAGQAAAAVAAAAYAAAAAAAAAAAAAAADwAAACADAAAAAAAAAAAAAAEAAACgMgAAVgcAAKr4//8BAAAAf39/AAEAAABkAAAAAAAAABQAAABAHwAAAAAAACYAAAAAAAAAwOD//wAAAAAmAAAAZAAAABYAAABMAAAAAAAAAAAAAAAEAAAAAAAAAAEAAADu7OEKAAAAACgAAAAoAAAAZAAAAGQAAAAAAAAAzMzMAAAAAABQAAAAUAAAAGQAAABkAAAAAAAAABcAAAAUAAAAAAAAAAAAAAD/fwAA/38AAAAAAAAJAAAABAAAAPw8XMEMAAAAEAAAAAAAAAAAAAAAAAAAAAAAAAAeAAAAaAAAAAAAAAAAAAAAAAAAAAAAAAAAAAAAECcAABAnAAAAAAAAAAAAAAAAAAAAAAAAAAAAAAAAAAAAAAAAAAAAABQAAAAAAAAAwMD/AAAAAABkAAAAMgAAAAAAAABkAAAAAAAAAH9/fwAKAAAAHwAAAFQAAAD///8A////AQAAAAAAAAAAAAAAAAAAAAAAAAAAAAAAAAAAAAAAAAAAAAAAAH9/fwDu7OEDzMzMAMDA/wB/f38AAAAAAAAAAAAAAAAAAAAAAAAAAAAhAAAAGAAAABQAAADQSAAAGDkAABZOAACYOgAAEAAAACYAAAAIAAAAAAAAAAAAAAA="/>
               </a:ext>
             </a:extLst>
           </p:cNvSpPr>
@@ -5683,14 +6209,14 @@
             <a:picLocks noChangeAspect="1"/>
             <a:extLst>
               <a:ext uri="smNativeData">
-                <pr:smNativeData xmlns:pr="smNativeData" xmlns:p14="http://schemas.microsoft.com/office/powerpoint/2010/main" xmlns="" val="SMDATA_15_eIVQYBMAAAAlAAAAEQAAAC0AAAAAkAAAAEgAAACQAAAASAAAAAAAAAAAAAAAAAAAAAEAAABQAAAAAAAAAAAA4D8AAAAAAADgPwAAAAAAAOA/AAAAAAAA4D8AAAAAAADgPwAAAAAAAOA/AAAAAAAA4D8AAAAAAADgPwAAAAAAAOA/AAAAAAAA4D8CAAAAjAAAAAAAAAAAAAAAT4G9DP///wgAAAAAAAAAAAAAAAAAAAAAAAAAAAAAAAAAAAAAZAAAAAEAAABAAAAAAAAAAAAAAAAAAAAAAAAAAAAAAAAAAAAAAAAAAAAAAAAAAAAAAAAAAAAAAAAAAAAAAAAAAAAAAAAAAAAAAAAAAAAAAAAAAAAAAAAAAAAAAAAAAAAAFAAAADwAAAAAAAAAAAAAAAAAAAkUAAAAAQAAABQAAAAUAAAAFAAAAAEAAAAAAAAAZAAAAGQAAAAAAAAAZAAAAGQAAAAVAAAAYAAAAAAAAAAAAAAADwAAACADAAAAAAAAAAAAAAEAAACgMgAAVgcAAKr4//8BAAAAf39/AAEAAABkAAAAAAAAABQAAABAHwAAAAAAACYAAAAAAAAAwOD//wAAAAAmAAAAZAAAABYAAABMAAAAAAAAAAAAAAAEAAAAAAAAAAEAAADu7OEKAAAAACgAAAAoAAAAZAAAAGQAAAAAAAAAzMzMAAAAAABQAAAAUAAAAGQAAABkAAAAAAAAAAcAAAA4AAAAAAAAAAAAAAAAAAAA////AAAAAAAAAAAAAAAAAAAAAAAAAAAAAAAAAAAAAABkAAAAZAAAAAAAAAAjAAAABAAAAGQAAAAXAAAAFAAAAAAAAAAAAAAA/38AAP9/AAAAAAAACQAAAAQAAABSID8/DAAAABAAAAAAAAAAAAAAAAAAAAAAAAAAHgAAAGgAAAAAAAAAAAAAAAAAAAAAAAAAAAAAABAnAAAQJwAAAAAAAAAAAAAAAAAAAAAAAAAAAAAAAAAAAAAAAAAAAAAUAAAAAAAAAMDA/wAAAAAAZAAAADIAAAAAAAAAZAAAAAAAAAB/f38ACgAAAB8AAABUAAAAT4G9Bf///wEAAAAAAAAAAAAAAAAAAAAAAAAAAAAAAAAAAAAAAAAAAAAAAAJ/f38A7uzhA8zMzADAwP8Af39/AAAAAAAAAAAAAAAAAP///wAAAAAAIQAAABgAAAAUAAAAEiQAADMRAABENwAAZSQAABAAAAAmAAAACAAAAP//////////"/>
+                <pr:smNativeData xmlns="" xmlns:p14="http://schemas.microsoft.com/office/powerpoint/2010/main" xmlns:pr="smNativeData" val="SMDATA_15_eIVQYBMAAAAlAAAAEQAAAC0AAAAAkAAAAEgAAACQAAAASAAAAAAAAAAAAAAAAAAAAAEAAABQAAAAAAAAAAAA4D8AAAAAAADgPwAAAAAAAOA/AAAAAAAA4D8AAAAAAADgPwAAAAAAAOA/AAAAAAAA4D8AAAAAAADgPwAAAAAAAOA/AAAAAAAA4D8CAAAAjAAAAAAAAAAAAAAAT4G9DP///wgAAAAAAAAAAAAAAAAAAAAAAAAAAAAAAAAAAAAAZAAAAAEAAABAAAAAAAAAAAAAAAAAAAAAAAAAAAAAAAAAAAAAAAAAAAAAAAAAAAAAAAAAAAAAAAAAAAAAAAAAAAAAAAAAAAAAAAAAAAAAAAAAAAAAAAAAAAAAAAAAAAAAFAAAADwAAAAAAAAAAAAAAAAAAAkUAAAAAQAAABQAAAAUAAAAFAAAAAEAAAAAAAAAZAAAAGQAAAAAAAAAZAAAAGQAAAAVAAAAYAAAAAAAAAAAAAAADwAAACADAAAAAAAAAAAAAAEAAACgMgAAVgcAAKr4//8BAAAAf39/AAEAAABkAAAAAAAAABQAAABAHwAAAAAAACYAAAAAAAAAwOD//wAAAAAmAAAAZAAAABYAAABMAAAAAAAAAAAAAAAEAAAAAAAAAAEAAADu7OEKAAAAACgAAAAoAAAAZAAAAGQAAAAAAAAAzMzMAAAAAABQAAAAUAAAAGQAAABkAAAAAAAAAAcAAAA4AAAAAAAAAAAAAAAAAAAA////AAAAAAAAAAAAAAAAAAAAAAAAAAAAAAAAAAAAAABkAAAAZAAAAAAAAAAjAAAABAAAAGQAAAAXAAAAFAAAAAAAAAAAAAAA/38AAP9/AAAAAAAACQAAAAQAAABSID8/DAAAABAAAAAAAAAAAAAAAAAAAAAAAAAAHgAAAGgAAAAAAAAAAAAAAAAAAAAAAAAAAAAAABAnAAAQJwAAAAAAAAAAAAAAAAAAAAAAAAAAAAAAAAAAAAAAAAAAAAAUAAAAAAAAAMDA/wAAAAAAZAAAADIAAAAAAAAAZAAAAAAAAAB/f38ACgAAAB8AAABUAAAAT4G9Bf///wEAAAAAAAAAAAAAAAAAAAAAAAAAAAAAAAAAAAAAAAAAAAAAAAJ/f38A7uzhA8zMzADAwP8Af39/AAAAAAAAAAAAAAAAAP///wAAAAAAIQAAABgAAAAUAAAAEiQAADMRAABENwAAZSQAABAAAAAmAAAACAAAAP//////////"/>
               </a:ext>
             </a:extLst>
           </p:cNvPicPr>
           <p:nvPr/>
         </p:nvPicPr>
         <p:blipFill>
-          <a:blip r:embed="rId2"/>
+          <a:blip r:embed="rId3"/>
           <a:stretch>
             <a:fillRect/>
           </a:stretch>
@@ -5717,14 +6243,14 @@
             <a:picLocks noChangeAspect="1"/>
             <a:extLst>
               <a:ext uri="smNativeData">
-                <pr:smNativeData xmlns:pr="smNativeData" xmlns:p14="http://schemas.microsoft.com/office/powerpoint/2010/main" xmlns="" val="SMDATA_15_eIVQYBMAAAAlAAAAEQAAAC0AAAAAkAAAAEgAAACQAAAASAAAAAAAAAAAAAAAAAAAAAEAAABQAAAAAAAAAAAA4D8AAAAAAADgPwAAAAAAAOA/AAAAAAAA4D8AAAAAAADgPwAAAAAAAOA/AAAAAAAA4D8AAAAAAADgPwAAAAAAAOA/AAAAAAAA4D8CAAAAjAAAAAAAAAAAAAAAT4G9DP///wgAAAAAAAAAAAAAAAAAAAAAAAAAAAAAAAAAAAAAZAAAAAEAAABAAAAAAAAAAAAAAAAAAAAAAAAAAAAAAAAAAAAAAAAAAAAAAAAAAAAAAAAAAAAAAAAAAAAAAAAAAAAAAAAAAAAAAAAAAAAAAAAAAAAAAAAAAAAAAAAAAAAAFAAAADwAAAAAAAAAAAAAAAAAAAkUAAAAAQAAABQAAAAUAAAAFAAAAAEAAAAAAAAAZAAAAGQAAAAAAAAAZAAAAGQAAAAVAAAAYAAAAAAAAAAAAAAADwAAACADAAAAAAAAAAAAAAEAAACgMgAAVgcAAKr4//8BAAAAf39/AAEAAABkAAAAAAAAABQAAABAHwAAAAAAACYAAAAAAAAAwOD//wAAAAAmAAAAZAAAABYAAABMAAAAAAAAAAAAAAAEAAAAAAAAAAEAAADu7OEKAAAAACgAAAAoAAAAZAAAAGQAAAAAAAAAzMzMAAAAAABQAAAAUAAAAGQAAABkAAAAAAAAAAcAAAA4AAAAAAAAAAAAAAAAAAAA////AAAAAAAAAAAAAAAAAAAAAAAAAAAAAAAAAAAAAABkAAAAZAAAAAAAAAAjAAAABAAAAGQAAAAXAAAAFAAAAAAAAAAAAAAA/38AAP9/AAAAAAAACQAAAAQAAAAAAAAADAAAABAAAAAAAAAAAAAAAAAAAAAAAAAAHgAAAGgAAAAAAAAAAAAAAAAAAAAAAAAAAAAAABAnAAAQJwAAAAAAAAAAAAAAAAAAAAAAAAAAAAAAAAAAAAAAAAAAAAAUAAAAAAAAAMDA/wAAAAAAZAAAADIAAAAAAAAAZAAAAAAAAAB/f38ACgAAAB8AAABUAAAAT4G9Bf///wEAAAAAAAAAAAAAAAAAAAAAAAAAAAAAAAAAAAAAAAAAAAAAAAJ/f38A7uzhA8zMzADAwP8Af39/AAAAAAAAAAAAAAAAAP///wAAAAAAIQAAABgAAAAUAAAAGToAADMRAABLTQAAZSQAABAAAAAmAAAACAAAAP//////////"/>
+                <pr:smNativeData xmlns="" xmlns:p14="http://schemas.microsoft.com/office/powerpoint/2010/main" xmlns:pr="smNativeData" val="SMDATA_15_eIVQYBMAAAAlAAAAEQAAAC0AAAAAkAAAAEgAAACQAAAASAAAAAAAAAAAAAAAAAAAAAEAAABQAAAAAAAAAAAA4D8AAAAAAADgPwAAAAAAAOA/AAAAAAAA4D8AAAAAAADgPwAAAAAAAOA/AAAAAAAA4D8AAAAAAADgPwAAAAAAAOA/AAAAAAAA4D8CAAAAjAAAAAAAAAAAAAAAT4G9DP///wgAAAAAAAAAAAAAAAAAAAAAAAAAAAAAAAAAAAAAZAAAAAEAAABAAAAAAAAAAAAAAAAAAAAAAAAAAAAAAAAAAAAAAAAAAAAAAAAAAAAAAAAAAAAAAAAAAAAAAAAAAAAAAAAAAAAAAAAAAAAAAAAAAAAAAAAAAAAAAAAAAAAAFAAAADwAAAAAAAAAAAAAAAAAAAkUAAAAAQAAABQAAAAUAAAAFAAAAAEAAAAAAAAAZAAAAGQAAAAAAAAAZAAAAGQAAAAVAAAAYAAAAAAAAAAAAAAADwAAACADAAAAAAAAAAAAAAEAAACgMgAAVgcAAKr4//8BAAAAf39/AAEAAABkAAAAAAAAABQAAABAHwAAAAAAACYAAAAAAAAAwOD//wAAAAAmAAAAZAAAABYAAABMAAAAAAAAAAAAAAAEAAAAAAAAAAEAAADu7OEKAAAAACgAAAAoAAAAZAAAAGQAAAAAAAAAzMzMAAAAAABQAAAAUAAAAGQAAABkAAAAAAAAAAcAAAA4AAAAAAAAAAAAAAAAAAAA////AAAAAAAAAAAAAAAAAAAAAAAAAAAAAAAAAAAAAABkAAAAZAAAAAAAAAAjAAAABAAAAGQAAAAXAAAAFAAAAAAAAAAAAAAA/38AAP9/AAAAAAAACQAAAAQAAAAAAAAADAAAABAAAAAAAAAAAAAAAAAAAAAAAAAAHgAAAGgAAAAAAAAAAAAAAAAAAAAAAAAAAAAAABAnAAAQJwAAAAAAAAAAAAAAAAAAAAAAAAAAAAAAAAAAAAAAAAAAAAAUAAAAAAAAAMDA/wAAAAAAZAAAADIAAAAAAAAAZAAAAAAAAAB/f38ACgAAAB8AAABUAAAAT4G9Bf///wEAAAAAAAAAAAAAAAAAAAAAAAAAAAAAAAAAAAAAAAAAAAAAAAJ/f38A7uzhA8zMzADAwP8Af39/AAAAAAAAAAAAAAAAAP///wAAAAAAIQAAABgAAAAUAAAAGToAADMRAABLTQAAZSQAABAAAAAmAAAACAAAAP//////////"/>
               </a:ext>
             </a:extLst>
           </p:cNvPicPr>
           <p:nvPr/>
         </p:nvPicPr>
         <p:blipFill>
-          <a:blip r:embed="rId3"/>
+          <a:blip r:embed="rId4"/>
           <a:stretch>
             <a:fillRect/>
           </a:stretch>
@@ -5751,14 +6277,14 @@
             <a:picLocks noChangeAspect="1"/>
             <a:extLst>
               <a:ext uri="smNativeData">
-                <pr:smNativeData xmlns:pr="smNativeData" xmlns:p14="http://schemas.microsoft.com/office/powerpoint/2010/main" xmlns="" val="SMDATA_15_eIVQYBMAAAAlAAAAEQAAAC0AAAAAkAAAAEgAAACQAAAASAAAAAAAAAAAAAAAAAAAAAEAAABQAAAAAAAAAAAA4D8AAAAAAADgPwAAAAAAAOA/AAAAAAAA4D8AAAAAAADgPwAAAAAAAOA/AAAAAAAA4D8AAAAAAADgPwAAAAAAAOA/AAAAAAAA4D8CAAAAjAAAAAAAAAAAAAAAT4G9DP///wgAAAAAAAAAAAAAAAAAAAAAAAAAAAAAAAAAAAAAZAAAAAEAAABAAAAAAAAAAAAAAAAAAAAAAAAAAAAAAAAAAAAAAAAAAAAAAAAAAAAAAAAAAAAAAAAAAAAAAAAAAAAAAAAAAAAAAAAAAAAAAAAAAAAAAAAAAAAAAAAAAAAAFAAAADwAAAAAAAAAAAAAAAAAAAkUAAAAAQAAABQAAAAUAAAAFAAAAAEAAAAAAAAAZAAAAGQAAAAAAAAAZAAAAGQAAAAVAAAAYAAAAAAAAAAAAAAADwAAACADAAAAAAAAAAAAAAEAAACgMgAAVgcAAKr4//8BAAAAf39/AAEAAABkAAAAAAAAABQAAABAHwAAAAAAACYAAAAAAAAAwOD//wAAAAAmAAAAZAAAABYAAABMAAAAAAAAAAAAAAAEAAAAAAAAAAEAAADu7OEKAAAAACgAAAAoAAAAZAAAAGQAAAAAAAAAzMzMAAAAAABQAAAAUAAAAGQAAABkAAAAAAAAAAcAAAA4AAAAAAAAAAAAAAAAAAAA////AAAAAAAAAAAAAAAAAAAAAAAAAAAAAAAAAAAAAABkAAAAZAAAAAAAAAAjAAAABAAAAGQAAAAXAAAAFAAAAAAAAAAAAAAA/38AAP9/AAAAAAAACQAAAAQAAAAAAAAADAAAABAAAAAAAAAAAAAAAAAAAAAAAAAAHgAAAGgAAAAAAAAAAAAAAAAAAAAAAAAAAAAAABAnAAAQJwAAAAAAAAAAAAAAAAAAAAAAAAAAAAAAAAAAAAAAAAAAAAAUAAAAAAAAAMDA/wAAAAAAZAAAADIAAAAAAAAAZAAAAAAAAAB/f38ACgAAAB8AAABUAAAAT4G9Bf///wEAAAAAAAAAAAAAAAAAAAAAAAAAAAAAAAAAAAAAAAAAAAAAAAJ/f38A7uzhA8zMzADAwP8Af39/AAAAAAAAAAAAAAAAAP///wAAAAAAIQAAABgAAAAUAAAAFS8AAOUiAABHQgAAFzYAABAAAAAmAAAACAAAAP//////////"/>
+                <pr:smNativeData xmlns="" xmlns:p14="http://schemas.microsoft.com/office/powerpoint/2010/main" xmlns:pr="smNativeData" val="SMDATA_15_eIVQYBMAAAAlAAAAEQAAAC0AAAAAkAAAAEgAAACQAAAASAAAAAAAAAAAAAAAAAAAAAEAAABQAAAAAAAAAAAA4D8AAAAAAADgPwAAAAAAAOA/AAAAAAAA4D8AAAAAAADgPwAAAAAAAOA/AAAAAAAA4D8AAAAAAADgPwAAAAAAAOA/AAAAAAAA4D8CAAAAjAAAAAAAAAAAAAAAT4G9DP///wgAAAAAAAAAAAAAAAAAAAAAAAAAAAAAAAAAAAAAZAAAAAEAAABAAAAAAAAAAAAAAAAAAAAAAAAAAAAAAAAAAAAAAAAAAAAAAAAAAAAAAAAAAAAAAAAAAAAAAAAAAAAAAAAAAAAAAAAAAAAAAAAAAAAAAAAAAAAAAAAAAAAAFAAAADwAAAAAAAAAAAAAAAAAAAkUAAAAAQAAABQAAAAUAAAAFAAAAAEAAAAAAAAAZAAAAGQAAAAAAAAAZAAAAGQAAAAVAAAAYAAAAAAAAAAAAAAADwAAACADAAAAAAAAAAAAAAEAAACgMgAAVgcAAKr4//8BAAAAf39/AAEAAABkAAAAAAAAABQAAABAHwAAAAAAACYAAAAAAAAAwOD//wAAAAAmAAAAZAAAABYAAABMAAAAAAAAAAAAAAAEAAAAAAAAAAEAAADu7OEKAAAAACgAAAAoAAAAZAAAAGQAAAAAAAAAzMzMAAAAAABQAAAAUAAAAGQAAABkAAAAAAAAAAcAAAA4AAAAAAAAAAAAAAAAAAAA////AAAAAAAAAAAAAAAAAAAAAAAAAAAAAAAAAAAAAABkAAAAZAAAAAAAAAAjAAAABAAAAGQAAAAXAAAAFAAAAAAAAAAAAAAA/38AAP9/AAAAAAAACQAAAAQAAAAAAAAADAAAABAAAAAAAAAAAAAAAAAAAAAAAAAAHgAAAGgAAAAAAAAAAAAAAAAAAAAAAAAAAAAAABAnAAAQJwAAAAAAAAAAAAAAAAAAAAAAAAAAAAAAAAAAAAAAAAAAAAAUAAAAAAAAAMDA/wAAAAAAZAAAADIAAAAAAAAAZAAAAAAAAAB/f38ACgAAAB8AAABUAAAAT4G9Bf///wEAAAAAAAAAAAAAAAAAAAAAAAAAAAAAAAAAAAAAAAAAAAAAAAJ/f38A7uzhA8zMzADAwP8Af39/AAAAAAAAAAAAAAAAAP///wAAAAAAIQAAABgAAAAUAAAAFS8AAOUiAABHQgAAFzYAABAAAAAmAAAACAAAAP//////////"/>
               </a:ext>
             </a:extLst>
           </p:cNvPicPr>
           <p:nvPr/>
         </p:nvPicPr>
         <p:blipFill>
-          <a:blip r:embed="rId4"/>
+          <a:blip r:embed="rId5"/>
           <a:stretch>
             <a:fillRect/>
           </a:stretch>
@@ -5810,7 +6336,7 @@
             <a:spLocks noGrp="1" noChangeArrowheads="1"/>
             <a:extLst>
               <a:ext uri="smNativeData">
-                <pr:smNativeData xmlns:pr="smNativeData" xmlns:p14="http://schemas.microsoft.com/office/powerpoint/2010/main" xmlns="" val="SMDATA_13_eIVQYBMAAAAlAAAAZAAAAA0AAAAAAAAAAAAAAAAAAAAAAAAAAAAAAAAAAAAAAAAAAAEAAABQAAAAAAAAAAAA4D8AAAAAAADgPwAAAAAAAOA/AAAAAAAA4D8AAAAAAADgPwAAAAAAAOA/AAAAAAAA4D8AAAAAAADgPwAAAAAAAOA/AAAAAAAA4D8CAAAAjAAAAAAAAAAAAAAA////AP///wgAAAAAAAAAAAAAAAAAAAAAAAAAAAAAAAAAAAAAeAAAAAEAAABAAAAAAAAAAAAAAABaAAAAAAAAAAAAAAAAAAAAAAAAAAAAAAAAAAAAAAAAAAAAAAAAAAAAAAAAAAAAAAAAAAAAAAAAAAAAAAAAAAAAAAAAAAAAAAAAAAAAFAAAADwAAAAAAAAAAAAAAAAAAAAPAAAAAQAAACMAAAAjAAAAIwAAAB4AAAAAAAAAZAAAAGQAAAAAAAAAZAAAAGQAAAAVAAAAYAAAAAAAAAAAAAAADwAAACADAAAAAAAAAAAAAAEAAACgMgAAVgcAAKr4//8BAAAAf39/AAEAAABkAAAAAAAAABQAAABAHwAAAAAAACYAAAAAAAAAwOD//wAAAAAmAAAAZAAAABYAAABMAAAAAAAAAAAAAAAEAAAAAAAAAAEAAADu7OEKAAAAACgAAAAoAAAAZAAAAGQAAAAAAAAAzMzMAAAAAABQAAAAUAAAAGQAAABkAAAAAAAAABcAAAAUAAAAAAAAAAAAAAD/fwAA/38AAAAAAAAJAAAABAAAAAAAAAAMAAAAEAAAAAAAAAAAAAAAAAAAAAAAAAAeAAAAaAAAAAAAAAAAAAAAAAAAAAAAAAAAAAAAECcAABAnAAAAAAAAAAAAAAAAAAAAAAAAAAAAAAAAAAAAAAAAAAAAABQAAAAAAAAAwMD/AAAAAABkAAAAMgAAAAAAAABkAAAAAAAAAH9/fwAKAAAAHwAAAFQAAAD///8A////AQAAAAAAAAAAAAAAAAAAAAAAAAAAAAAAAAAAAAAAAAAAAAAAAH9/fwDu7OEDzMzMAMDA/wB/f38AAAAAAAAAAAAAAAAAAAAAAAAAAAAhAAAAGAAAABQAAADIBQAAiQsAAHpIAACpDwAAEAAAACYAAAAIAAAAAQAAAAAAAAA="/>
+                <pr:smNativeData xmlns="" xmlns:p14="http://schemas.microsoft.com/office/powerpoint/2010/main" xmlns:pr="smNativeData" val="SMDATA_13_eIVQYBMAAAAlAAAAZAAAAA0AAAAAAAAAAAAAAAAAAAAAAAAAAAAAAAAAAAAAAAAAAAEAAABQAAAAAAAAAAAA4D8AAAAAAADgPwAAAAAAAOA/AAAAAAAA4D8AAAAAAADgPwAAAAAAAOA/AAAAAAAA4D8AAAAAAADgPwAAAAAAAOA/AAAAAAAA4D8CAAAAjAAAAAAAAAAAAAAA////AP///wgAAAAAAAAAAAAAAAAAAAAAAAAAAAAAAAAAAAAAeAAAAAEAAABAAAAAAAAAAAAAAABaAAAAAAAAAAAAAAAAAAAAAAAAAAAAAAAAAAAAAAAAAAAAAAAAAAAAAAAAAAAAAAAAAAAAAAAAAAAAAAAAAAAAAAAAAAAAAAAAAAAAFAAAADwAAAAAAAAAAAAAAAAAAAAPAAAAAQAAACMAAAAjAAAAIwAAAB4AAAAAAAAAZAAAAGQAAAAAAAAAZAAAAGQAAAAVAAAAYAAAAAAAAAAAAAAADwAAACADAAAAAAAAAAAAAAEAAACgMgAAVgcAAKr4//8BAAAAf39/AAEAAABkAAAAAAAAABQAAABAHwAAAAAAACYAAAAAAAAAwOD//wAAAAAmAAAAZAAAABYAAABMAAAAAAAAAAAAAAAEAAAAAAAAAAEAAADu7OEKAAAAACgAAAAoAAAAZAAAAGQAAAAAAAAAzMzMAAAAAABQAAAAUAAAAGQAAABkAAAAAAAAABcAAAAUAAAAAAAAAAAAAAD/fwAA/38AAAAAAAAJAAAABAAAAAAAAAAMAAAAEAAAAAAAAAAAAAAAAAAAAAAAAAAeAAAAaAAAAAAAAAAAAAAAAAAAAAAAAAAAAAAAECcAABAnAAAAAAAAAAAAAAAAAAAAAAAAAAAAAAAAAAAAAAAAAAAAABQAAAAAAAAAwMD/AAAAAABkAAAAMgAAAAAAAABkAAAAAAAAAH9/fwAKAAAAHwAAAFQAAAD///8A////AQAAAAAAAAAAAAAAAAAAAAAAAAAAAAAAAAAAAAAAAAAAAAAAAH9/fwDu7OEDzMzMAMDA/wB/f38AAAAAAAAAAAAAAAAAAAAAAAAAAAAhAAAAGAAAABQAAADIBQAAiQsAAHpIAACpDwAAEAAAACYAAAAIAAAAAQAAAAAAAAA="/>
               </a:ext>
             </a:extLst>
           </p:cNvSpPr>
@@ -5844,7 +6370,7 @@
             <a:spLocks noGrp="1" noChangeArrowheads="1"/>
             <a:extLst>
               <a:ext uri="smNativeData">
-                <pr:smNativeData xmlns:pr="smNativeData" xmlns:p14="http://schemas.microsoft.com/office/powerpoint/2010/main" xmlns="" val="SMDATA_13_eIVQYBMAAAAlAAAAZAAAAA0AAAAAAAAAAAAAAAAAAAAAAAAAAAAAAAAAAAAAAAAAAAEAAABQAAAAAAAAAAAA4D8AAAAAAADgPwAAAAAAAOA/AAAAAAAA4D8AAAAAAADgPwAAAAAAAOA/AAAAAAAA4D8AAAAAAADgPwAAAAAAAOA/AAAAAAAA4D8CAAAAjAAAAAAAAAAAAAAA////AP///wgAAAAAAAAAAAAAAAAAAAAAAAAAAAAAAAAAAAAAeAAAAAEAAABAAAAAAAAAAAAAAABaAAAAAAAAAAAAAAAAAAAAAAAAAAAAAAAAAAAAAAAAAAAAAAAAAAAAAAAAAAAAAAAAAAAAAAAAAAAAAAAAAAAAAAAAAAAAAAAAAAAAFAAAADwAAAAAAAAAAAAAAAAAAAAPAAAAAQAAACMAAAAjAAAAIwAAAB4AAAAAAAAAZAAAAGQAAAAAAAAAZAAAAGQAAAAVAAAAYAAAAAAAAAAAAAAADwAAACADAAAAAAAAAAAAAAEAAACgMgAAVgcAAKr4//8BAAAAf39/AAEAAABkAAAAAAAAABQAAABAHwAAAAAAACYAAAAAAAAAwOD//wAAAAAmAAAAZAAAABYAAABMAAAAAAAAAAAAAAAEAAAAAAAAAAEAAADu7OEKAAAAACgAAAAoAAAAZAAAAGQAAAAAAAAAzMzMAAAAAABQAAAAUAAAAGQAAABkAAAAAAAAABcAAAAUAAAAAAAAAAAAAAD/fwAA/38AAAAAAAAJAAAABAAAAEEAQQAMAAAAEAAAAAAAAAAAAAAAAAAAAAAAAAAeAAAAaAAAAAAAAAAAAAAAAAAAAAAAAAAAAAAAECcAABAnAAAAAAAAAAAAAAAAAAAAAAAAAAAAAAAAAAAAAAAAAAAAABQAAAAAAAAAwMD/AAAAAABkAAAAMgAAAAAAAABkAAAAAAAAAH9/fwAKAAAAHwAAAFQAAAD///8A////AQAAAAAAAAAAAAAAAAAAAAAAAAAAAAAAAAAAAAAAAAAAAAAAAH9/fwDu7OEDzMzMAMDA/wB/f38AAAAAAAAAAAAAAAAAAAAAAAAAAAAhAAAAGAAAABQAAADIBQAAwBIAAHpIAABQMQAAEAAAACYAAAAIAAAAAYAAAAAAAAA="/>
+                <pr:smNativeData xmlns="" xmlns:p14="http://schemas.microsoft.com/office/powerpoint/2010/main" xmlns:pr="smNativeData" val="SMDATA_13_eIVQYBMAAAAlAAAAZAAAAA0AAAAAAAAAAAAAAAAAAAAAAAAAAAAAAAAAAAAAAAAAAAEAAABQAAAAAAAAAAAA4D8AAAAAAADgPwAAAAAAAOA/AAAAAAAA4D8AAAAAAADgPwAAAAAAAOA/AAAAAAAA4D8AAAAAAADgPwAAAAAAAOA/AAAAAAAA4D8CAAAAjAAAAAAAAAAAAAAA////AP///wgAAAAAAAAAAAAAAAAAAAAAAAAAAAAAAAAAAAAAeAAAAAEAAABAAAAAAAAAAAAAAABaAAAAAAAAAAAAAAAAAAAAAAAAAAAAAAAAAAAAAAAAAAAAAAAAAAAAAAAAAAAAAAAAAAAAAAAAAAAAAAAAAAAAAAAAAAAAAAAAAAAAFAAAADwAAAAAAAAAAAAAAAAAAAAPAAAAAQAAACMAAAAjAAAAIwAAAB4AAAAAAAAAZAAAAGQAAAAAAAAAZAAAAGQAAAAVAAAAYAAAAAAAAAAAAAAADwAAACADAAAAAAAAAAAAAAEAAACgMgAAVgcAAKr4//8BAAAAf39/AAEAAABkAAAAAAAAABQAAABAHwAAAAAAACYAAAAAAAAAwOD//wAAAAAmAAAAZAAAABYAAABMAAAAAAAAAAAAAAAEAAAAAAAAAAEAAADu7OEKAAAAACgAAAAoAAAAZAAAAGQAAAAAAAAAzMzMAAAAAABQAAAAUAAAAGQAAABkAAAAAAAAABcAAAAUAAAAAAAAAAAAAAD/fwAA/38AAAAAAAAJAAAABAAAAEEAQQAMAAAAEAAAAAAAAAAAAAAAAAAAAAAAAAAeAAAAaAAAAAAAAAAAAAAAAAAAAAAAAAAAAAAAECcAABAnAAAAAAAAAAAAAAAAAAAAAAAAAAAAAAAAAAAAAAAAAAAAABQAAAAAAAAAwMD/AAAAAABkAAAAMgAAAAAAAABkAAAAAAAAAH9/fwAKAAAAHwAAAFQAAAD///8A////AQAAAAAAAAAAAAAAAAAAAAAAAAAAAAAAAAAAAAAAAAAAAAAAAH9/fwDu7OEDzMzMAMDA/wB/f38AAAAAAAAAAAAAAAAAAAAAAAAAAAAhAAAAGAAAABQAAADIBQAAwBIAAHpIAABQMQAAEAAAACYAAAAIAAAAAYAAAAAAAAA="/>
               </a:ext>
             </a:extLst>
           </p:cNvSpPr>
@@ -6011,7 +6537,7 @@
             <a:spLocks noGrp="1" noChangeArrowheads="1"/>
             <a:extLst>
               <a:ext uri="smNativeData">
-                <pr:smNativeData xmlns:pr="smNativeData" xmlns:p14="http://schemas.microsoft.com/office/powerpoint/2010/main" xmlns="" val="SMDATA_13_eIVQYBMAAAAlAAAAZAAAAA0AAAAAAAAAAAAAAAAAAAAAAAAAAAAAAAAAAAAAAAAAAAEAAABQAAAAAAAAAAAA4D8AAAAAAADgPwAAAAAAAOA/AAAAAAAA4D8AAAAAAADgPwAAAAAAAOA/AAAAAAAA4D8AAAAAAADgPwAAAAAAAOA/AAAAAAAA4D8CAAAAjAAAAAAAAAAAAAAA////AP///wgAAAAAAAAAAAAAAAAAAAAAAAAAAAAAAAAAAAAAeAAAAAEAAABAAAAAAAAAAAAAAABaAAAAAAAAAAAAAAAAAAAAAAAAAAAAAAAAAAAAAAAAAAAAAAAAAAAAAAAAAAAAAAAAAAAAAAAAAAAAAAAAAAAAAAAAAAAAAAAAAAAAFAAAADwAAAAAAAAAAAAAAAAAAAAPAAAAAQAAACMAAAAjAAAAIwAAAB4AAAAAAAAAZAAAAGQAAAAAAAAAZAAAAGQAAAAVAAAAYAAAAAAAAAAAAAAADwAAACADAAAAAAAAAAAAAAEAAACgMgAAVgcAAKr4//8BAAAAf39/AAEAAABkAAAAAAAAABQAAABAHwAAAAAAACYAAAAAAAAAwOD//wAAAAAmAAAAZAAAABYAAABMAAAAAAAAAAAAAAAEAAAAAAAAAAEAAADu7OEKAAAAACgAAAAoAAAAZAAAAGQAAAAAAAAAzMzMAAAAAABQAAAAUAAAAGQAAABkAAAAAAAAABcAAAAUAAAAAAAAAAAAAAD/fwAA/38AAAAAAAAJAAAABAAAAEEAQQAMAAAAEAAAAAAAAAAAAAAAAAAAAAAAAAAeAAAAaAAAAAAAAAAAAAAAAAAAAAAAAAAAAAAAECcAABAnAAAAAAAAAAAAAAAAAAAAAAAAAAAAAAAAAAAAAAAAAAAAABQAAAAAAAAAwMD/AAAAAABkAAAAMgAAAAAAAABkAAAAAAAAAH9/fwAKAAAAHwAAAFQAAAD///8A////AQAAAAAAAAAAAAAAAAAAAAAAAAAAAAAAAAAAAAAAAAAAAAAAAH9/fwDu7OEDzMzMAMDA/wB/f38AAAAAAAAAAAAAAAAAAAAAAAAAAAAhAAAAGAAAABQAAADqAQAA4DgAAPAKAACYOgAAEAAAACYAAAAIAAAAAAAAAAAAAAA="/>
+                <pr:smNativeData xmlns="" xmlns:p14="http://schemas.microsoft.com/office/powerpoint/2010/main" xmlns:pr="smNativeData" val="SMDATA_13_eIVQYBMAAAAlAAAAZAAAAA0AAAAAAAAAAAAAAAAAAAAAAAAAAAAAAAAAAAAAAAAAAAEAAABQAAAAAAAAAAAA4D8AAAAAAADgPwAAAAAAAOA/AAAAAAAA4D8AAAAAAADgPwAAAAAAAOA/AAAAAAAA4D8AAAAAAADgPwAAAAAAAOA/AAAAAAAA4D8CAAAAjAAAAAAAAAAAAAAA////AP///wgAAAAAAAAAAAAAAAAAAAAAAAAAAAAAAAAAAAAAeAAAAAEAAABAAAAAAAAAAAAAAABaAAAAAAAAAAAAAAAAAAAAAAAAAAAAAAAAAAAAAAAAAAAAAAAAAAAAAAAAAAAAAAAAAAAAAAAAAAAAAAAAAAAAAAAAAAAAAAAAAAAAFAAAADwAAAAAAAAAAAAAAAAAAAAPAAAAAQAAACMAAAAjAAAAIwAAAB4AAAAAAAAAZAAAAGQAAAAAAAAAZAAAAGQAAAAVAAAAYAAAAAAAAAAAAAAADwAAACADAAAAAAAAAAAAAAEAAACgMgAAVgcAAKr4//8BAAAAf39/AAEAAABkAAAAAAAAABQAAABAHwAAAAAAACYAAAAAAAAAwOD//wAAAAAmAAAAZAAAABYAAABMAAAAAAAAAAAAAAAEAAAAAAAAAAEAAADu7OEKAAAAACgAAAAoAAAAZAAAAGQAAAAAAAAAzMzMAAAAAABQAAAAUAAAAGQAAABkAAAAAAAAABcAAAAUAAAAAAAAAAAAAAD/fwAA/38AAAAAAAAJAAAABAAAAEEAQQAMAAAAEAAAAAAAAAAAAAAAAAAAAAAAAAAeAAAAaAAAAAAAAAAAAAAAAAAAAAAAAAAAAAAAECcAABAnAAAAAAAAAAAAAAAAAAAAAAAAAAAAAAAAAAAAAAAAAAAAABQAAAAAAAAAwMD/AAAAAABkAAAAMgAAAAAAAABkAAAAAAAAAH9/fwAKAAAAHwAAAFQAAAD///8A////AQAAAAAAAAAAAAAAAAAAAAAAAAAAAAAAAAAAAAAAAAAAAAAAAH9/fwDu7OEDzMzMAMDA/wB/f38AAAAAAAAAAAAAAAAAAAAAAAAAAAAhAAAAGAAAABQAAADqAQAA4DgAAPAKAACYOgAAEAAAACYAAAAIAAAAAAAAAAAAAAA="/>
               </a:ext>
             </a:extLst>
           </p:cNvSpPr>
@@ -6040,7 +6566,7 @@
             <a:spLocks noGrp="1" noChangeArrowheads="1"/>
             <a:extLst>
               <a:ext uri="smNativeData">
-                <pr:smNativeData xmlns:pr="smNativeData" xmlns:p14="http://schemas.microsoft.com/office/powerpoint/2010/main" xmlns="" val="SMDATA_13_eIVQYBMAAAAlAAAAZAAAAA0AAAAAAAAAAAAAAAAAAAAAAAAAAAAAAAAAAAAAAAAAAAEAAABQAAAAAAAAAAAA4D8AAAAAAADgPwAAAAAAAOA/AAAAAAAA4D8AAAAAAADgPwAAAAAAAOA/AAAAAAAA4D8AAAAAAADgPwAAAAAAAOA/AAAAAAAA4D8CAAAAjAAAAAAAAAAAAAAA////AP///wgAAAAAAAAAAAAAAAAAAAAAAAAAAAAAAAAAAAAAeAAAAAEAAABAAAAAAAAAAAAAAABaAAAAAAAAAAAAAAAAAAAAAAAAAAAAAAAAAAAAAAAAAAAAAAAAAAAAAAAAAAAAAAAAAAAAAAAAAAAAAAAAAAAAAAAAAAAAAAAAAAAAFAAAADwAAAAAAAAAAAAAAAAAAAAPAAAAAQAAACMAAAAjAAAAIwAAAB4AAAAAAAAAZAAAAGQAAAAAAAAAZAAAAGQAAAAVAAAAYAAAAAAAAAAAAAAADwAAACADAAAAAAAAAAAAAAEAAACgMgAAVgcAAKr4//8BAAAAf39/AAEAAABkAAAAAAAAABQAAABAHwAAAAAAACYAAAAAAAAAwOD//wAAAAAmAAAAZAAAABYAAABMAAAAAAAAAAAAAAAEAAAAAAAAAAEAAADu7OEKAAAAACgAAAAoAAAAZAAAAGQAAAAAAAAAzMzMAAAAAABQAAAAUAAAAGQAAABkAAAAAAAAABcAAAAUAAAAAAAAAAAAAAD/fwAA/38AAAAAAAAJAAAABAAAAAAAAAAMAAAAEAAAAAAAAAAAAAAAAAAAAAAAAAAeAAAAaAAAAAAAAAAAAAAAAAAAAAAAAAAAAAAAECcAABAnAAAAAAAAAAAAAAAAAAAAAAAAAAAAAAAAAAAAAAAAAAAAABQAAAAAAAAAwMD/AAAAAABkAAAAMgAAAAAAAABkAAAAAAAAAH9/fwAKAAAAHwAAAFQAAAD///8A////AQAAAAAAAAAAAAAAAAAAAAAAAAAAAAAAAAAAAAAAAAAAAAAAAH9/fwDu7OEDzMzMAMDA/wB/f38AAAAAAAAAAAAAAAAAAAAAAAAAAAAhAAAAGAAAABQAAADQSAAAGDkAABZOAACYOgAAEAAAACYAAAAIAAAAAAAAAAAAAAA="/>
+                <pr:smNativeData xmlns="" xmlns:p14="http://schemas.microsoft.com/office/powerpoint/2010/main" xmlns:pr="smNativeData" val="SMDATA_13_eIVQYBMAAAAlAAAAZAAAAA0AAAAAAAAAAAAAAAAAAAAAAAAAAAAAAAAAAAAAAAAAAAEAAABQAAAAAAAAAAAA4D8AAAAAAADgPwAAAAAAAOA/AAAAAAAA4D8AAAAAAADgPwAAAAAAAOA/AAAAAAAA4D8AAAAAAADgPwAAAAAAAOA/AAAAAAAA4D8CAAAAjAAAAAAAAAAAAAAA////AP///wgAAAAAAAAAAAAAAAAAAAAAAAAAAAAAAAAAAAAAeAAAAAEAAABAAAAAAAAAAAAAAABaAAAAAAAAAAAAAAAAAAAAAAAAAAAAAAAAAAAAAAAAAAAAAAAAAAAAAAAAAAAAAAAAAAAAAAAAAAAAAAAAAAAAAAAAAAAAAAAAAAAAFAAAADwAAAAAAAAAAAAAAAAAAAAPAAAAAQAAACMAAAAjAAAAIwAAAB4AAAAAAAAAZAAAAGQAAAAAAAAAZAAAAGQAAAAVAAAAYAAAAAAAAAAAAAAADwAAACADAAAAAAAAAAAAAAEAAACgMgAAVgcAAKr4//8BAAAAf39/AAEAAABkAAAAAAAAABQAAABAHwAAAAAAACYAAAAAAAAAwOD//wAAAAAmAAAAZAAAABYAAABMAAAAAAAAAAAAAAAEAAAAAAAAAAEAAADu7OEKAAAAACgAAAAoAAAAZAAAAGQAAAAAAAAAzMzMAAAAAABQAAAAUAAAAGQAAABkAAAAAAAAABcAAAAUAAAAAAAAAAAAAAD/fwAA/38AAAAAAAAJAAAABAAAAAAAAAAMAAAAEAAAAAAAAAAAAAAAAAAAAAAAAAAeAAAAaAAAAAAAAAAAAAAAAAAAAAAAAAAAAAAAECcAABAnAAAAAAAAAAAAAAAAAAAAAAAAAAAAAAAAAAAAAAAAAAAAABQAAAAAAAAAwMD/AAAAAABkAAAAMgAAAAAAAABkAAAAAAAAAH9/fwAKAAAAHwAAAFQAAAD///8A////AQAAAAAAAAAAAAAAAAAAAAAAAAAAAAAAAAAAAAAAAAAAAAAAAH9/fwDu7OEDzMzMAMDA/wB/f38AAAAAAAAAAAAAAAAAAAAAAAAAAAAhAAAAGAAAABQAAADQSAAAGDkAABZOAACYOgAAEAAAACYAAAAIAAAAAAAAAAAAAAA="/>
               </a:ext>
             </a:extLst>
           </p:cNvSpPr>
@@ -6090,12 +6616,72 @@
       </p:grpSpPr>
       <p:sp>
         <p:nvSpPr>
+          <p:cNvPr id="3" name="Titre 6"/>
+          <p:cNvSpPr>
+            <a:spLocks noGrp="1" noChangeArrowheads="1"/>
+            <a:extLst>
+              <a:ext uri="smNativeData">
+                <pr:smNativeData xmlns:pr="smNativeData" xmlns:p14="http://schemas.microsoft.com/office/powerpoint/2010/main" xmlns="" val="SMDATA_13_eIVQYBMAAAAlAAAAZAAAAA0AAAAAAAAAAAAAAAAAAAAAAAAAAAAAAAAAAAAAAAAAAAEAAABQAAAAAAAAAAAA4D8AAAAAAADgPwAAAAAAAOA/AAAAAAAA4D8AAAAAAADgPwAAAAAAAOA/AAAAAAAA4D8AAAAAAADgPwAAAAAAAOA/AAAAAAAA4D8CAAAAjAAAAAAAAAAAAAAA////AP///wgAAAAAAAAAAAAAAAAAAAAAAAAAAAAAAAAAAAAAeAAAAAEAAABAAAAAAAAAAAAAAABaAAAAAAAAAAAAAAAAAAAAAAAAAAAAAAAAAAAAAAAAAAAAAAAAAAAAAAAAAAAAAAAAAAAAAAAAAAAAAAAAAAAAAAAAAAAAAAAAAAAAFAAAADwAAAAAAAAAAAAAAAAAAAAPAAAAAQAAACMAAAAjAAAAIwAAAB4AAAAAAAAAZAAAAGQAAAAAAAAAZAAAAGQAAAAVAAAAYAAAAAAAAAAAAAAADwAAACADAAAAAAAAAAAAAAEAAACgMgAAVgcAAKr4//8BAAAAf39/AAEAAABkAAAAAAAAABQAAABAHwAAAAAAACYAAAAAAAAAwOD//wAAAAAmAAAAZAAAABYAAABMAAAAAAAAAAAAAAAEAAAAAAAAAAEAAADu7OEKAAAAACgAAAAoAAAAZAAAAGQAAAAAAAAAzMzMAAAAAABQAAAAUAAAAGQAAABkAAAAAAAAABcAAAAUAAAAAAAAAAAAAAD/fwAA/38AAAAAAAAJAAAABAAAAAAAAAAMAAAAEAAAAAAAAAAAAAAAAAAAAAAAAAAeAAAAaAAAAAAAAAAAAAAAAAAAAAAAAAAAAAAAECcAABAnAAAAAAAAAAAAAAAAAAAAAAAAAAAAAAAAAAAAAAAAAAAAABQAAAAAAAAAwMD/AAAAAABkAAAAMgAAAAAAAABkAAAAAAAAAH9/fwAKAAAAHwAAAFQAAAD///8A////AQAAAAAAAAAAAAAAAAAAAAAAAAAAAAAAAAAAAAAAAAAAAAAAAH9/fwDu7OEDzMzMAMDA/wB/f38AAAAAAAAAAAAAAAAAAAAAAAAAAAAhAAAAGAAAABQAAACSBQAAmBwAAERIAABGIgAAEAAAACYAAAAIAAAAAAAAAAAAAAA="/>
+              </a:ext>
+            </a:extLst>
+          </p:cNvSpPr>
+          <p:nvPr>
+            <p:ph type="title"/>
+          </p:nvPr>
+        </p:nvSpPr>
+        <p:spPr/>
+        <p:txBody>
+          <a:bodyPr/>
+          <a:lstStyle/>
+          <a:p>
+            <a:pPr algn="ctr">
+              <a:defRPr lang="de-de"/>
+            </a:pPr>
+            <a:r>
+              <a:rPr lang="en-gb" dirty="0"/>
+              <a:t>Demo</a:t>
+            </a:r>
+          </a:p>
+        </p:txBody>
+      </p:sp>
+    </p:spTree>
+    <p:extLst>
+      <p:ext uri="{BB962C8B-B14F-4D97-AF65-F5344CB8AC3E}">
+        <p14:creationId xmlns:p14="http://schemas.microsoft.com/office/powerpoint/2010/main" val="3327469032"/>
+      </p:ext>
+    </p:extLst>
+  </p:cSld>
+  <p:clrMapOvr>
+    <a:masterClrMapping/>
+  </p:clrMapOvr>
+</p:sld>
+</file>
+
+<file path=ppt/slides/slide15.xml><?xml version="1.0" encoding="utf-8"?>
+<p:sld xmlns:a="http://schemas.openxmlformats.org/drawingml/2006/main" xmlns:r="http://schemas.openxmlformats.org/officeDocument/2006/relationships" xmlns:p="http://schemas.openxmlformats.org/presentationml/2006/main">
+  <p:cSld>
+    <p:spTree>
+      <p:nvGrpSpPr>
+        <p:cNvPr id="1" name=""/>
+        <p:cNvGrpSpPr/>
+        <p:nvPr/>
+      </p:nvGrpSpPr>
+      <p:grpSpPr>
+        <a:xfrm>
+          <a:off x="0" y="0"/>
+          <a:ext cx="0" cy="0"/>
+          <a:chOff x="0" y="0"/>
+          <a:chExt cx="0" cy="0"/>
+        </a:xfrm>
+      </p:grpSpPr>
+      <p:sp>
+        <p:nvSpPr>
           <p:cNvPr id="2" name="Titre 1"/>
           <p:cNvSpPr>
             <a:spLocks noGrp="1" noChangeArrowheads="1"/>
             <a:extLst>
               <a:ext uri="smNativeData">
-                <pr:smNativeData xmlns:pr="smNativeData" xmlns:p14="http://schemas.microsoft.com/office/powerpoint/2010/main" xmlns="" val="SMDATA_13_eIVQYBMAAAAlAAAAZAAAAA0AAAAAAAAAAAAAAAAAAAAAAAAAAAAAAAAAAAAAAAAAAAEAAABQAAAAAAAAAAAA4D8AAAAAAADgPwAAAAAAAOA/AAAAAAAA4D8AAAAAAADgPwAAAAAAAOA/AAAAAAAA4D8AAAAAAADgPwAAAAAAAOA/AAAAAAAA4D8CAAAAjAAAAAAAAAAAAAAA////AP///wgAAAAAAAAAAAAAAAAAAAAAAAAAAAAAAAAAAAAAeAAAAAEAAABAAAAAAAAAAAAAAABaAAAAAAAAAAAAAAAAAAAAAAAAAAAAAAAAAAAAAAAAAAAAAAAAAAAAAAAAAAAAAAAAAAAAAAAAAAAAAAAAAAAAAAAAAAAAAAAAAAAAFAAAADwAAAAAAAAAAAAAAAAAAAAPAAAAAQAAACMAAAAjAAAAIwAAAB4AAAAAAAAAZAAAAGQAAAAAAAAAZAAAAGQAAAAVAAAAYAAAAAAAAAAAAAAADwAAACADAAAAAAAAAAAAAAEAAACgMgAAVgcAAKr4//8BAAAAf39/AAEAAABkAAAAAAAAABQAAABAHwAAAAAAACYAAAAAAAAAwOD//wAAAAAmAAAAZAAAABYAAABMAAAAAAAAAAAAAAAEAAAAAAAAAAEAAADu7OEKAAAAACgAAAAoAAAAZAAAAGQAAAAAAAAAzMzMAAAAAABQAAAAUAAAAGQAAABkAAAAAAAAABcAAAAUAAAAAAAAAAAAAAD/fwAA/38AAAAAAAAJAAAABAAAAGwAAAAMAAAAEAAAAAAAAAAAAAAAAAAAAAAAAAAeAAAAaAAAAAAAAAAAAAAAAAAAAAAAAAAAAAAAECcAABAnAAAAAAAAAAAAAAAAAAAAAAAAAAAAAAAAAAAAAAAAAAAAABQAAAAAAAAAwMD/AAAAAABkAAAAMgAAAAAAAABkAAAAAAAAAH9/fwAKAAAAHwAAAFQAAAD///8A////AQAAAAAAAAAAAAAAAAAAAAAAAAAAAAAAAAAAAAAAAAAAAAAAAH9/fwDu7OEDzMzMAMDA/wB/f38AAAAAAAAAAAAAAAAAAAAAAAAAAAAhAAAAGAAAABQAAADIBQAAiQsAAHpIAACpDwAAEAAAACYAAAAIAAAAAQAAAAAAAAA="/>
+                <pr:smNativeData xmlns="" xmlns:p14="http://schemas.microsoft.com/office/powerpoint/2010/main" xmlns:pr="smNativeData" val="SMDATA_13_eIVQYBMAAAAlAAAAZAAAAA0AAAAAAAAAAAAAAAAAAAAAAAAAAAAAAAAAAAAAAAAAAAEAAABQAAAAAAAAAAAA4D8AAAAAAADgPwAAAAAAAOA/AAAAAAAA4D8AAAAAAADgPwAAAAAAAOA/AAAAAAAA4D8AAAAAAADgPwAAAAAAAOA/AAAAAAAA4D8CAAAAjAAAAAAAAAAAAAAA////AP///wgAAAAAAAAAAAAAAAAAAAAAAAAAAAAAAAAAAAAAeAAAAAEAAABAAAAAAAAAAAAAAABaAAAAAAAAAAAAAAAAAAAAAAAAAAAAAAAAAAAAAAAAAAAAAAAAAAAAAAAAAAAAAAAAAAAAAAAAAAAAAAAAAAAAAAAAAAAAAAAAAAAAFAAAADwAAAAAAAAAAAAAAAAAAAAPAAAAAQAAACMAAAAjAAAAIwAAAB4AAAAAAAAAZAAAAGQAAAAAAAAAZAAAAGQAAAAVAAAAYAAAAAAAAAAAAAAADwAAACADAAAAAAAAAAAAAAEAAACgMgAAVgcAAKr4//8BAAAAf39/AAEAAABkAAAAAAAAABQAAABAHwAAAAAAACYAAAAAAAAAwOD//wAAAAAmAAAAZAAAABYAAABMAAAAAAAAAAAAAAAEAAAAAAAAAAEAAADu7OEKAAAAACgAAAAoAAAAZAAAAGQAAAAAAAAAzMzMAAAAAABQAAAAUAAAAGQAAABkAAAAAAAAABcAAAAUAAAAAAAAAAAAAAD/fwAA/38AAAAAAAAJAAAABAAAAGwAAAAMAAAAEAAAAAAAAAAAAAAAAAAAAAAAAAAeAAAAaAAAAAAAAAAAAAAAAAAAAAAAAAAAAAAAECcAABAnAAAAAAAAAAAAAAAAAAAAAAAAAAAAAAAAAAAAAAAAAAAAABQAAAAAAAAAwMD/AAAAAABkAAAAMgAAAAAAAABkAAAAAAAAAH9/fwAKAAAAHwAAAFQAAAD///8A////AQAAAAAAAAAAAAAAAAAAAAAAAAAAAAAAAAAAAAAAAAAAAAAAAH9/fwDu7OEDzMzMAMDA/wB/f38AAAAAAAAAAAAAAAAAAAAAAAAAAAAhAAAAGAAAABQAAADIBQAAiQsAAHpIAACpDwAAEAAAACYAAAAIAAAAAQAAAAAAAAA="/>
               </a:ext>
             </a:extLst>
           </p:cNvSpPr>
@@ -6129,7 +6715,7 @@
             <a:spLocks noGrp="1" noChangeArrowheads="1"/>
             <a:extLst>
               <a:ext uri="smNativeData">
-                <pr:smNativeData xmlns:pr="smNativeData" xmlns:p14="http://schemas.microsoft.com/office/powerpoint/2010/main" xmlns="" val="SMDATA_13_eIVQYBMAAAAlAAAAZAAAAA0AAAAAAAAAAAAAAAAAAAAAAAAAAAAAAAAAAAAAAAAAAAEAAABQAAAAAAAAAAAA4D8AAAAAAADgPwAAAAAAAOA/AAAAAAAA4D8AAAAAAADgPwAAAAAAAOA/AAAAAAAA4D8AAAAAAADgPwAAAAAAAOA/AAAAAAAA4D8CAAAAjAAAAAAAAAAAAAAA////AP///wgAAAAAAAAAAAAAAAAAAAAAAAAAAAAAAAAAAAAAeAAAAAEAAABAAAAAAAAAAAAAAABaAAAAAAAAAAAAAAAAAAAAAAAAAAAAAAAAAAAAAAAAAAAAAAAAAAAAAAAAAAAAAAAAAAAAAAAAAAAAAAAAAAAAAAAAAAAAAAAAAAAAFAAAADwAAAAAAAAAAAAAAAAAAAAPAAAAAQAAACMAAAAjAAAAIwAAAB4AAAAAAAAAZAAAAGQAAAAAAAAAZAAAAGQAAAAVAAAAYAAAAAAAAAAAAAAADwAAACADAAAAAAAAAAAAAAEAAACgMgAAVgcAAKr4//8BAAAAf39/AAEAAABkAAAAAAAAABQAAABAHwAAAAAAACYAAAAAAAAAwOD//wAAAAAmAAAAZAAAABYAAABMAAAAAAAAAAAAAAAEAAAAAAAAAAEAAADu7OEKAAAAACgAAAAoAAAAZAAAAGQAAAAAAAAAzMzMAAAAAABQAAAAUAAAAGQAAABkAAAAAAAAABcAAAAUAAAAAAAAAAAAAAD/fwAA/38AAAAAAAAJAAAABAAAAAAAAAAMAAAAEAAAAAAAAAAAAAAAAAAAAAAAAAAeAAAAaAAAAAAAAAAAAAAAAAAAAAAAAAAAAAAAECcAABAnAAAAAAAAAAAAAAAAAAAAAAAAAAAAAAAAAAAAAAAAAAAAABQAAAAAAAAAwMD/AAAAAABkAAAAMgAAAAAAAABkAAAAAAAAAH9/fwAKAAAAHwAAAFQAAAD///8A////AQAAAAAAAAAAAAAAAAAAAAAAAAAAAAAAAAAAAAAAAAAAAAAAAH9/fwDu7OEDzMzMAMDA/wB/f38AAAAAAAAAAAAAAAAAAAAAAAAAAAAhAAAAGAAAABQAAADIBQAAwBIAAHpIAACoPAAAEAAAACYAAAAIAAAAAYAAAAAAAAA="/>
+                <pr:smNativeData xmlns="" xmlns:p14="http://schemas.microsoft.com/office/powerpoint/2010/main" xmlns:pr="smNativeData" val="SMDATA_13_eIVQYBMAAAAlAAAAZAAAAA0AAAAAAAAAAAAAAAAAAAAAAAAAAAAAAAAAAAAAAAAAAAEAAABQAAAAAAAAAAAA4D8AAAAAAADgPwAAAAAAAOA/AAAAAAAA4D8AAAAAAADgPwAAAAAAAOA/AAAAAAAA4D8AAAAAAADgPwAAAAAAAOA/AAAAAAAA4D8CAAAAjAAAAAAAAAAAAAAA////AP///wgAAAAAAAAAAAAAAAAAAAAAAAAAAAAAAAAAAAAAeAAAAAEAAABAAAAAAAAAAAAAAABaAAAAAAAAAAAAAAAAAAAAAAAAAAAAAAAAAAAAAAAAAAAAAAAAAAAAAAAAAAAAAAAAAAAAAAAAAAAAAAAAAAAAAAAAAAAAAAAAAAAAFAAAADwAAAAAAAAAAAAAAAAAAAAPAAAAAQAAACMAAAAjAAAAIwAAAB4AAAAAAAAAZAAAAGQAAAAAAAAAZAAAAGQAAAAVAAAAYAAAAAAAAAAAAAAADwAAACADAAAAAAAAAAAAAAEAAACgMgAAVgcAAKr4//8BAAAAf39/AAEAAABkAAAAAAAAABQAAABAHwAAAAAAACYAAAAAAAAAwOD//wAAAAAmAAAAZAAAABYAAABMAAAAAAAAAAAAAAAEAAAAAAAAAAEAAADu7OEKAAAAACgAAAAoAAAAZAAAAGQAAAAAAAAAzMzMAAAAAABQAAAAUAAAAGQAAABkAAAAAAAAABcAAAAUAAAAAAAAAAAAAAD/fwAA/38AAAAAAAAJAAAABAAAAAAAAAAMAAAAEAAAAAAAAAAAAAAAAAAAAAAAAAAeAAAAaAAAAAAAAAAAAAAAAAAAAAAAAAAAAAAAECcAABAnAAAAAAAAAAAAAAAAAAAAAAAAAAAAAAAAAAAAAAAAAAAAABQAAAAAAAAAwMD/AAAAAABkAAAAMgAAAAAAAABkAAAAAAAAAH9/fwAKAAAAHwAAAFQAAAD///8A////AQAAAAAAAAAAAAAAAAAAAAAAAAAAAAAAAAAAAAAAAAAAAAAAAH9/fwDu7OEDzMzMAMDA/wB/f38AAAAAAAAAAAAAAAAAAAAAAAAAAAAhAAAAGAAAABQAAADIBQAAwBIAAHpIAACoPAAAEAAAACYAAAAIAAAAAYAAAAAAAAA="/>
               </a:ext>
             </a:extLst>
           </p:cNvSpPr>
@@ -6332,7 +6918,7 @@
             <a:spLocks noGrp="1" noChangeArrowheads="1"/>
             <a:extLst>
               <a:ext uri="smNativeData">
-                <pr:smNativeData xmlns:pr="smNativeData" xmlns:p14="http://schemas.microsoft.com/office/powerpoint/2010/main" xmlns="" val="SMDATA_13_eIVQYBMAAAAlAAAAZAAAAA0AAAAAAAAAAAAAAAAAAAAAAAAAAAAAAAAAAAAAAAAAAAEAAABQAAAAAAAAAAAA4D8AAAAAAADgPwAAAAAAAOA/AAAAAAAA4D8AAAAAAADgPwAAAAAAAOA/AAAAAAAA4D8AAAAAAADgPwAAAAAAAOA/AAAAAAAA4D8CAAAAjAAAAAAAAAAAAAAA////AP///wgAAAAAAAAAAAAAAAAAAAAAAAAAAAAAAAAAAAAAeAAAAAEAAABAAAAAAAAAAAAAAABaAAAAAAAAAAAAAAAAAAAAAAAAAAAAAAAAAAAAAAAAAAAAAAAAAAAAAAAAAAAAAAAAAAAAAAAAAAAAAAAAAAAAAAAAAAAAAAAAAAAAFAAAADwAAAAAAAAAAAAAAAAAAAAPAAAAAQAAACMAAAAjAAAAIwAAAB4AAAAAAAAAZAAAAGQAAAAAAAAAZAAAAGQAAAAVAAAAYAAAAAAAAAAAAAAADwAAACADAAAAAAAAAAAAAAEAAACgMgAAVgcAAKr4//8BAAAAf39/AAEAAABkAAAAAAAAABQAAABAHwAAAAAAACYAAAAAAAAAwOD//wAAAAAmAAAAZAAAABYAAABMAAAAAAAAAAAAAAAEAAAAAAAAAAEAAADu7OEKAAAAACgAAAAoAAAAZAAAAGQAAAAAAAAAzMzMAAAAAABQAAAAUAAAAGQAAABkAAAAAAAAABcAAAAUAAAAAAAAAAAAAAD/fwAA/38AAAAAAAAJAAAABAAAAAAAAAAMAAAAEAAAAAAAAAAAAAAAAAAAAAAAAAAeAAAAaAAAAAAAAAAAAAAAAAAAAAAAAAAAAAAAECcAABAnAAAAAAAAAAAAAAAAAAAAAAAAAAAAAAAAAAAAAAAAAAAAABQAAAAAAAAAwMD/AAAAAABkAAAAMgAAAAAAAABkAAAAAAAAAH9/fwAKAAAAHwAAAFQAAAD///8A////AQAAAAAAAAAAAAAAAAAAAAAAAAAAAAAAAAAAAAAAAAAAAAAAAH9/fwDu7OEDzMzMAMDA/wB/f38AAAAAAAAAAAAAAAAAAAAAAAAAAAAhAAAAGAAAABQAAADqAQAA4DgAAPAKAACYOgAAEAAAACYAAAAIAAAAAAAAAAAAAAA="/>
+                <pr:smNativeData xmlns="" xmlns:p14="http://schemas.microsoft.com/office/powerpoint/2010/main" xmlns:pr="smNativeData" val="SMDATA_13_eIVQYBMAAAAlAAAAZAAAAA0AAAAAAAAAAAAAAAAAAAAAAAAAAAAAAAAAAAAAAAAAAAEAAABQAAAAAAAAAAAA4D8AAAAAAADgPwAAAAAAAOA/AAAAAAAA4D8AAAAAAADgPwAAAAAAAOA/AAAAAAAA4D8AAAAAAADgPwAAAAAAAOA/AAAAAAAA4D8CAAAAjAAAAAAAAAAAAAAA////AP///wgAAAAAAAAAAAAAAAAAAAAAAAAAAAAAAAAAAAAAeAAAAAEAAABAAAAAAAAAAAAAAABaAAAAAAAAAAAAAAAAAAAAAAAAAAAAAAAAAAAAAAAAAAAAAAAAAAAAAAAAAAAAAAAAAAAAAAAAAAAAAAAAAAAAAAAAAAAAAAAAAAAAFAAAADwAAAAAAAAAAAAAAAAAAAAPAAAAAQAAACMAAAAjAAAAIwAAAB4AAAAAAAAAZAAAAGQAAAAAAAAAZAAAAGQAAAAVAAAAYAAAAAAAAAAAAAAADwAAACADAAAAAAAAAAAAAAEAAACgMgAAVgcAAKr4//8BAAAAf39/AAEAAABkAAAAAAAAABQAAABAHwAAAAAAACYAAAAAAAAAwOD//wAAAAAmAAAAZAAAABYAAABMAAAAAAAAAAAAAAAEAAAAAAAAAAEAAADu7OEKAAAAACgAAAAoAAAAZAAAAGQAAAAAAAAAzMzMAAAAAABQAAAAUAAAAGQAAABkAAAAAAAAABcAAAAUAAAAAAAAAAAAAAD/fwAA/38AAAAAAAAJAAAABAAAAAAAAAAMAAAAEAAAAAAAAAAAAAAAAAAAAAAAAAAeAAAAaAAAAAAAAAAAAAAAAAAAAAAAAAAAAAAAECcAABAnAAAAAAAAAAAAAAAAAAAAAAAAAAAAAAAAAAAAAAAAAAAAABQAAAAAAAAAwMD/AAAAAABkAAAAMgAAAAAAAABkAAAAAAAAAH9/fwAKAAAAHwAAAFQAAAD///8A////AQAAAAAAAAAAAAAAAAAAAAAAAAAAAAAAAAAAAAAAAAAAAAAAAH9/fwDu7OEDzMzMAMDA/wB/f38AAAAAAAAAAAAAAAAAAAAAAAAAAAAhAAAAGAAAABQAAADqAQAA4DgAAPAKAACYOgAAEAAAACYAAAAIAAAAAAAAAAAAAAA="/>
               </a:ext>
             </a:extLst>
           </p:cNvSpPr>
@@ -6361,7 +6947,7 @@
             <a:spLocks noGrp="1" noChangeArrowheads="1"/>
             <a:extLst>
               <a:ext uri="smNativeData">
-                <pr:smNativeData xmlns:pr="smNativeData" xmlns:p14="http://schemas.microsoft.com/office/powerpoint/2010/main" xmlns="" val="SMDATA_13_eIVQYBMAAAAlAAAAZAAAAA0AAAAAAAAAAAAAAAAAAAAAAAAAAAAAAAAAAAAAAAAAAAEAAABQAAAAAAAAAAAA4D8AAAAAAADgPwAAAAAAAOA/AAAAAAAA4D8AAAAAAADgPwAAAAAAAOA/AAAAAAAA4D8AAAAAAADgPwAAAAAAAOA/AAAAAAAA4D8CAAAAjAAAAAAAAAAAAAAA////AP///wgAAAAAAAAAAAAAAAAAAAAAAAAAAAAAAAAAAAAAeAAAAAEAAABAAAAAAAAAAAAAAABaAAAAAAAAAAAAAAAAAAAAAAAAAAAAAAAAAAAAAAAAAAAAAAAAAAAAAAAAAAAAAAAAAAAAAAAAAAAAAAAAAAAAAAAAAAAAAAAAAAAAFAAAADwAAAAAAAAAAAAAAAAAAAAPAAAAAQAAACMAAAAjAAAAIwAAAB4AAAAAAAAAZAAAAGQAAAAAAAAAZAAAAGQAAAAVAAAAYAAAAAAAAAAAAAAADwAAACADAAAAAAAAAAAAAAEAAACgMgAAVgcAAKr4//8BAAAAf39/AAEAAABkAAAAAAAAABQAAABAHwAAAAAAACYAAAAAAAAAwOD//wAAAAAmAAAAZAAAABYAAABMAAAAAAAAAAAAAAAEAAAAAAAAAAEAAADu7OEKAAAAACgAAAAoAAAAZAAAAGQAAAAAAAAAzMzMAAAAAABQAAAAUAAAAGQAAABkAAAAAAAAABcAAAAUAAAAAAAAAAAAAAD/fwAA/38AAAAAAAAJAAAABAAAAAAAAAAMAAAAEAAAAAAAAAAAAAAAAAAAAAAAAAAeAAAAaAAAAAAAAAAAAAAAAAAAAAAAAAAAAAAAECcAABAnAAAAAAAAAAAAAAAAAAAAAAAAAAAAAAAAAAAAAAAAAAAAABQAAAAAAAAAwMD/AAAAAABkAAAAMgAAAAAAAABkAAAAAAAAAH9/fwAKAAAAHwAAAFQAAAD///8A////AQAAAAAAAAAAAAAAAAAAAAAAAAAAAAAAAAAAAAAAAAAAAAAAAH9/fwDu7OEDzMzMAMDA/wB/f38AAAAAAAAAAAAAAAAAAAAAAAAAAAAhAAAAGAAAABQAAADQSAAAGDkAABZOAACYOgAAEAAAACYAAAAIAAAAAAAAAAAAAAA="/>
+                <pr:smNativeData xmlns="" xmlns:p14="http://schemas.microsoft.com/office/powerpoint/2010/main" xmlns:pr="smNativeData" val="SMDATA_13_eIVQYBMAAAAlAAAAZAAAAA0AAAAAAAAAAAAAAAAAAAAAAAAAAAAAAAAAAAAAAAAAAAEAAABQAAAAAAAAAAAA4D8AAAAAAADgPwAAAAAAAOA/AAAAAAAA4D8AAAAAAADgPwAAAAAAAOA/AAAAAAAA4D8AAAAAAADgPwAAAAAAAOA/AAAAAAAA4D8CAAAAjAAAAAAAAAAAAAAA////AP///wgAAAAAAAAAAAAAAAAAAAAAAAAAAAAAAAAAAAAAeAAAAAEAAABAAAAAAAAAAAAAAABaAAAAAAAAAAAAAAAAAAAAAAAAAAAAAAAAAAAAAAAAAAAAAAAAAAAAAAAAAAAAAAAAAAAAAAAAAAAAAAAAAAAAAAAAAAAAAAAAAAAAFAAAADwAAAAAAAAAAAAAAAAAAAAPAAAAAQAAACMAAAAjAAAAIwAAAB4AAAAAAAAAZAAAAGQAAAAAAAAAZAAAAGQAAAAVAAAAYAAAAAAAAAAAAAAADwAAACADAAAAAAAAAAAAAAEAAACgMgAAVgcAAKr4//8BAAAAf39/AAEAAABkAAAAAAAAABQAAABAHwAAAAAAACYAAAAAAAAAwOD//wAAAAAmAAAAZAAAABYAAABMAAAAAAAAAAAAAAAEAAAAAAAAAAEAAADu7OEKAAAAACgAAAAoAAAAZAAAAGQAAAAAAAAAzMzMAAAAAABQAAAAUAAAAGQAAABkAAAAAAAAABcAAAAUAAAAAAAAAAAAAAD/fwAA/38AAAAAAAAJAAAABAAAAAAAAAAMAAAAEAAAAAAAAAAAAAAAAAAAAAAAAAAeAAAAaAAAAAAAAAAAAAAAAAAAAAAAAAAAAAAAECcAABAnAAAAAAAAAAAAAAAAAAAAAAAAAAAAAAAAAAAAAAAAAAAAABQAAAAAAAAAwMD/AAAAAABkAAAAMgAAAAAAAABkAAAAAAAAAH9/fwAKAAAAHwAAAFQAAAD///8A////AQAAAAAAAAAAAAAAAAAAAAAAAAAAAAAAAAAAAAAAAAAAAAAAAH9/fwDu7OEDzMzMAMDA/wB/f38AAAAAAAAAAAAAAAAAAAAAAAAAAAAhAAAAGAAAABQAAADQSAAAGDkAABZOAACYOgAAEAAAACYAAAAIAAAAAAAAAAAAAAA="/>
               </a:ext>
             </a:extLst>
           </p:cNvSpPr>
@@ -6378,7 +6964,7 @@
               <a:defRPr lang="de-de"/>
             </a:pPr>
             <a:fld id="{3D785376-38D0-2DA5-9EC0-CEF01D8E689B}" type="slidenum">
-              <a:t>14</a:t>
+              <a:t>15</a:t>
             </a:fld>
             <a:endParaRPr/>
           </a:p>
@@ -6392,7 +6978,7 @@
 </p:sld>
 </file>
 
-<file path=ppt/slides/slide15.xml><?xml version="1.0" encoding="utf-8"?>
+<file path=ppt/slides/slide16.xml><?xml version="1.0" encoding="utf-8"?>
 <p:sld xmlns:a="http://schemas.openxmlformats.org/drawingml/2006/main" xmlns:r="http://schemas.openxmlformats.org/officeDocument/2006/relationships" xmlns:p="http://schemas.openxmlformats.org/presentationml/2006/main">
   <p:cSld>
     <p:spTree>
@@ -6416,7 +7002,7 @@
             <a:spLocks noGrp="1" noChangeArrowheads="1"/>
             <a:extLst>
               <a:ext uri="smNativeData">
-                <pr:smNativeData xmlns:pr="smNativeData" xmlns:p14="http://schemas.microsoft.com/office/powerpoint/2010/main" xmlns="" val="SMDATA_13_eIVQYBMAAAAlAAAAZAAAAA0AAAAAAAAAAAAAAAAAAAAAAAAAAAAAAAAAAAAAAAAAAAEAAABQAAAAAAAAAAAA4D8AAAAAAADgPwAAAAAAAOA/AAAAAAAA4D8AAAAAAADgPwAAAAAAAOA/AAAAAAAA4D8AAAAAAADgPwAAAAAAAOA/AAAAAAAA4D8CAAAAjAAAAAAAAAAAAAAA////AP///wgAAAAAAAAAAAAAAAAAAAAAAAAAAAAAAAAAAAAAeAAAAAEAAABAAAAAAAAAAAAAAABaAAAAAAAAAAAAAAAAAAAAAAAAAAAAAAAAAAAAAAAAAAAAAAAAAAAAAAAAAAAAAAAAAAAAAAAAAAAAAAAAAAAAAAAAAAAAAAAAAAAAFAAAADwAAAAAAAAAAAAAAAAAAAAPAAAAAQAAACMAAAAjAAAAIwAAAB4AAAAAAAAAZAAAAGQAAAAAAAAAZAAAAGQAAAAVAAAAYAAAAAAAAAAAAAAADwAAACADAAAAAAAAAAAAAAEAAACgMgAAVgcAAKr4//8BAAAAf39/AAEAAABkAAAAAAAAABQAAABAHwAAAAAAACYAAAAAAAAAwOD//wAAAAAmAAAAZAAAABYAAABMAAAAAAAAAAAAAAAEAAAAAAAAAAEAAADu7OEKAAAAACgAAAAoAAAAZAAAAGQAAAAAAAAAzMzMAAAAAABQAAAAUAAAAGQAAABkAAAAAAAAABcAAAAUAAAAAAAAAAAAAAD/fwAA/38AAAAAAAAJAAAABAAAAAAAAAAMAAAAEAAAAAAAAAAAAAAAAAAAAAAAAAAeAAAAaAAAAAAAAAAAAAAAAAAAAAAAAAAAAAAAECcAABAnAAAAAAAAAAAAAAAAAAAAAAAAAAAAAAAAAAAAAAAAAAAAABQAAAAAAAAAwMD/AAAAAABkAAAAMgAAAAAAAABkAAAAAAAAAH9/fwAKAAAAHwAAAFQAAAD///8A////AQAAAAAAAAAAAAAAAAAAAAAAAAAAAAAAAAAAAAAAAAAAAAAAAH9/fwDu7OEDzMzMAMDA/wB/f38AAAAAAAAAAAAAAAAAAAAAAAAAAAAhAAAAGAAAABQAAADIBQAAiQsAAHpIAACzDwAAEAAAACYAAAAIAAAAAAAAAAAAAAA="/>
+                <pr:smNativeData xmlns="" xmlns:p14="http://schemas.microsoft.com/office/powerpoint/2010/main" xmlns:pr="smNativeData" val="SMDATA_13_eIVQYBMAAAAlAAAAZAAAAA0AAAAAAAAAAAAAAAAAAAAAAAAAAAAAAAAAAAAAAAAAAAEAAABQAAAAAAAAAAAA4D8AAAAAAADgPwAAAAAAAOA/AAAAAAAA4D8AAAAAAADgPwAAAAAAAOA/AAAAAAAA4D8AAAAAAADgPwAAAAAAAOA/AAAAAAAA4D8CAAAAjAAAAAAAAAAAAAAA////AP///wgAAAAAAAAAAAAAAAAAAAAAAAAAAAAAAAAAAAAAeAAAAAEAAABAAAAAAAAAAAAAAABaAAAAAAAAAAAAAAAAAAAAAAAAAAAAAAAAAAAAAAAAAAAAAAAAAAAAAAAAAAAAAAAAAAAAAAAAAAAAAAAAAAAAAAAAAAAAAAAAAAAAFAAAADwAAAAAAAAAAAAAAAAAAAAPAAAAAQAAACMAAAAjAAAAIwAAAB4AAAAAAAAAZAAAAGQAAAAAAAAAZAAAAGQAAAAVAAAAYAAAAAAAAAAAAAAADwAAACADAAAAAAAAAAAAAAEAAACgMgAAVgcAAKr4//8BAAAAf39/AAEAAABkAAAAAAAAABQAAABAHwAAAAAAACYAAAAAAAAAwOD//wAAAAAmAAAAZAAAABYAAABMAAAAAAAAAAAAAAAEAAAAAAAAAAEAAADu7OEKAAAAACgAAAAoAAAAZAAAAGQAAAAAAAAAzMzMAAAAAABQAAAAUAAAAGQAAABkAAAAAAAAABcAAAAUAAAAAAAAAAAAAAD/fwAA/38AAAAAAAAJAAAABAAAAAAAAAAMAAAAEAAAAAAAAAAAAAAAAAAAAAAAAAAeAAAAaAAAAAAAAAAAAAAAAAAAAAAAAAAAAAAAECcAABAnAAAAAAAAAAAAAAAAAAAAAAAAAAAAAAAAAAAAAAAAAAAAABQAAAAAAAAAwMD/AAAAAABkAAAAMgAAAAAAAABkAAAAAAAAAH9/fwAKAAAAHwAAAFQAAAD///8A////AQAAAAAAAAAAAAAAAAAAAAAAAAAAAAAAAAAAAAAAAAAAAAAAAH9/fwDu7OEDzMzMAMDA/wB/f38AAAAAAAAAAAAAAAAAAAAAAAAAAAAhAAAAGAAAABQAAADIBQAAiQsAAHpIAACzDwAAEAAAACYAAAAIAAAAAAAAAAAAAAA="/>
               </a:ext>
             </a:extLst>
           </p:cNvSpPr>
@@ -6446,7 +7032,7 @@
             <a:spLocks noGrp="1" noChangeArrowheads="1"/>
             <a:extLst>
               <a:ext uri="smNativeData">
-                <pr:smNativeData xmlns:pr="smNativeData" xmlns:p14="http://schemas.microsoft.com/office/powerpoint/2010/main" xmlns="" val="SMDATA_13_eIVQYBMAAAAlAAAAZAAAAA0AAAAAAAAAAAAAAAAAAAAAAAAAAAAAAAAAAAAAAAAAAAEAAABQAAAAAAAAAAAA4D8AAAAAAADgPwAAAAAAAOA/AAAAAAAA4D8AAAAAAADgPwAAAAAAAOA/AAAAAAAA4D8AAAAAAADgPwAAAAAAAOA/AAAAAAAA4D8CAAAAjAAAAAAAAAAAAAAA////AP///wgAAAAAAAAAAAAAAAAAAAAAAAAAAAAAAAAAAAAAeAAAAAEAAABAAAAAAAAAAAAAAABaAAAAAAAAAAAAAAAAAAAAAAAAAAAAAAAAAAAAAAAAAAAAAAAAAAAAAAAAAAAAAAAAAAAAAAAAAAAAAAAAAAAAAAAAAAAAAAAAAAAAFAAAADwAAAAAAAAAAAAAAAAAAAAPAAAAAQAAACMAAAAjAAAAIwAAAB4AAAAAAAAAZAAAAGQAAAAAAAAAZAAAAGQAAAAVAAAAYAAAAAAAAAAAAAAADwAAACADAAAAAAAAAAAAAAEAAACgMgAAVgcAAKr4//8BAAAAf39/AAEAAABkAAAAAAAAABQAAABAHwAAAAAAACYAAAAAAAAAwOD//wAAAAAmAAAAZAAAABYAAABMAAAAAAAAAAAAAAAEAAAAAAAAAAEAAADu7OEKAAAAACgAAAAoAAAAZAAAAGQAAAAAAAAAzMzMAAAAAABQAAAAUAAAAGQAAABkAAAAAAAAABcAAAAUAAAAAAAAAAAAAAD/fwAA/38AAAAAAAAJAAAABAAAAAAAAAAMAAAAEAAAAAAAAAAAAAAAAAAAAAAAAAAeAAAAaAAAAAAAAAAAAAAAAAAAAAAAAAAAAAAAECcAABAnAAAAAAAAAAAAAAAAAAAAAAAAAAAAAAAAAAAAAAAAAAAAABQAAAAAAAAAwMD/AAAAAABkAAAAMgAAAAAAAABkAAAAAAAAAH9/fwAKAAAAHwAAAFQAAAD///8A////AQAAAAAAAAAAAAAAAAAAAAAAAAAAAAAAAAAAAAAAAAAAAAAAAH9/fwDu7OEDzMzMAMDA/wB/f38AAAAAAAAAAAAAAAAAAAAAAAAAAAAhAAAAGAAAABQAAADIBQAAwBIAAHpIAAAYKgAAEAAAACYAAAAIAAAAAYAAAAAAAAA="/>
+                <pr:smNativeData xmlns="" xmlns:p14="http://schemas.microsoft.com/office/powerpoint/2010/main" xmlns:pr="smNativeData" val="SMDATA_13_eIVQYBMAAAAlAAAAZAAAAA0AAAAAAAAAAAAAAAAAAAAAAAAAAAAAAAAAAAAAAAAAAAEAAABQAAAAAAAAAAAA4D8AAAAAAADgPwAAAAAAAOA/AAAAAAAA4D8AAAAAAADgPwAAAAAAAOA/AAAAAAAA4D8AAAAAAADgPwAAAAAAAOA/AAAAAAAA4D8CAAAAjAAAAAAAAAAAAAAA////AP///wgAAAAAAAAAAAAAAAAAAAAAAAAAAAAAAAAAAAAAeAAAAAEAAABAAAAAAAAAAAAAAABaAAAAAAAAAAAAAAAAAAAAAAAAAAAAAAAAAAAAAAAAAAAAAAAAAAAAAAAAAAAAAAAAAAAAAAAAAAAAAAAAAAAAAAAAAAAAAAAAAAAAFAAAADwAAAAAAAAAAAAAAAAAAAAPAAAAAQAAACMAAAAjAAAAIwAAAB4AAAAAAAAAZAAAAGQAAAAAAAAAZAAAAGQAAAAVAAAAYAAAAAAAAAAAAAAADwAAACADAAAAAAAAAAAAAAEAAACgMgAAVgcAAKr4//8BAAAAf39/AAEAAABkAAAAAAAAABQAAABAHwAAAAAAACYAAAAAAAAAwOD//wAAAAAmAAAAZAAAABYAAABMAAAAAAAAAAAAAAAEAAAAAAAAAAEAAADu7OEKAAAAACgAAAAoAAAAZAAAAGQAAAAAAAAAzMzMAAAAAABQAAAAUAAAAGQAAABkAAAAAAAAABcAAAAUAAAAAAAAAAAAAAD/fwAA/38AAAAAAAAJAAAABAAAAAAAAAAMAAAAEAAAAAAAAAAAAAAAAAAAAAAAAAAeAAAAaAAAAAAAAAAAAAAAAAAAAAAAAAAAAAAAECcAABAnAAAAAAAAAAAAAAAAAAAAAAAAAAAAAAAAAAAAAAAAAAAAABQAAAAAAAAAwMD/AAAAAABkAAAAMgAAAAAAAABkAAAAAAAAAH9/fwAKAAAAHwAAAFQAAAD///8A////AQAAAAAAAAAAAAAAAAAAAAAAAAAAAAAAAAAAAAAAAAAAAAAAAH9/fwDu7OEDzMzMAMDA/wB/f38AAAAAAAAAAAAAAAAAAAAAAAAAAAAhAAAAGAAAABQAAADIBQAAwBIAAHpIAAAYKgAAEAAAACYAAAAIAAAAAYAAAAAAAAA="/>
               </a:ext>
             </a:extLst>
           </p:cNvSpPr>
@@ -6567,16 +7153,7 @@
               <a:defRPr lang="de-de"/>
             </a:pPr>
             <a:r>
-              <a:rPr dirty="0"/>
-              <a:t>To be shared to community?</a:t>
-            </a:r>
-          </a:p>
-          <a:p>
-            <a:pPr lvl="1">
-              <a:defRPr lang="de-de"/>
-            </a:pPr>
-            <a:r>
-              <a:rPr dirty="0"/>
+              <a:rPr lang="en-US" dirty="0"/>
               <a:t>Aims to put users in control + raise data collection awareness</a:t>
             </a:r>
           </a:p>
@@ -6586,10 +7163,19 @@
               <a:defRPr lang="de-de"/>
             </a:pPr>
             <a:r>
-              <a:rPr dirty="0"/>
+              <a:rPr lang="en-US" dirty="0"/>
               <a:t> Case Study necessary to assess efficiency</a:t>
             </a:r>
           </a:p>
+          <a:p>
+            <a:pPr lvl="1">
+              <a:defRPr lang="de-de"/>
+            </a:pPr>
+            <a:r>
+              <a:rPr lang="en-US" dirty="0"/>
+              <a:t>To be shared to community?</a:t>
+            </a:r>
+          </a:p>
         </p:txBody>
       </p:sp>
       <p:sp>
@@ -6599,7 +7185,7 @@
             <a:spLocks noGrp="1" noChangeArrowheads="1"/>
             <a:extLst>
               <a:ext uri="smNativeData">
-                <pr:smNativeData xmlns:pr="smNativeData" xmlns:p14="http://schemas.microsoft.com/office/powerpoint/2010/main" xmlns="" val="SMDATA_13_eIVQYBMAAAAlAAAAZAAAAA0AAAAAAAAAAAAAAAAAAAAAAAAAAAAAAAAAAAAAAAAAAAEAAABQAAAAAAAAAAAA4D8AAAAAAADgPwAAAAAAAOA/AAAAAAAA4D8AAAAAAADgPwAAAAAAAOA/AAAAAAAA4D8AAAAAAADgPwAAAAAAAOA/AAAAAAAA4D8CAAAAjAAAAAAAAAAAAAAA////AP///wgAAAAAAAAAAAAAAAAAAAAAAAAAAAAAAAAAAAAAeAAAAAEAAABAAAAAAAAAAAAAAABaAAAAAAAAAAAAAAAAAAAAAAAAAAAAAAAAAAAAAAAAAAAAAAAAAAAAAAAAAAAAAAAAAAAAAAAAAAAAAAAAAAAAAAAAAAAAAAAAAAAAFAAAADwAAAAAAAAAAAAAAAAAAAAPAAAAAQAAACMAAAAjAAAAIwAAAB4AAAAAAAAAZAAAAGQAAAAAAAAAZAAAAGQAAAAVAAAAYAAAAAAAAAAAAAAADwAAACADAAAAAAAAAAAAAAEAAACgMgAAVgcAAKr4//8BAAAAf39/AAEAAABkAAAAAAAAABQAAABAHwAAAAAAACYAAAAAAAAAwOD//wAAAAAmAAAAZAAAABYAAABMAAAAAAAAAAAAAAAEAAAAAAAAAAEAAADu7OEKAAAAACgAAAAoAAAAZAAAAGQAAAAAAAAAzMzMAAAAAABQAAAAUAAAAGQAAABkAAAAAAAAABcAAAAUAAAAAAAAAAAAAAD/fwAA/38AAAAAAAAJAAAABAAAAGMAAAAMAAAAEAAAAAAAAAAAAAAAAAAAAAAAAAAeAAAAaAAAAAAAAAAAAAAAAAAAAAAAAAAAAAAAECcAABAnAAAAAAAAAAAAAAAAAAAAAAAAAAAAAAAAAAAAAAAAAAAAABQAAAAAAAAAwMD/AAAAAABkAAAAMgAAAAAAAABkAAAAAAAAAH9/fwAKAAAAHwAAAFQAAAD///8A////AQAAAAAAAAAAAAAAAAAAAAAAAAAAAAAAAAAAAAAAAAAAAAAAAH9/fwDu7OEDzMzMAMDA/wB/f38AAAAAAAAAAAAAAAAAAAAAAAAAAAAhAAAAGAAAABQAAADqAQAA4DgAAPAKAACYOgAAEAAAACYAAAAIAAAAAAAAAAAAAAA="/>
+                <pr:smNativeData xmlns="" xmlns:p14="http://schemas.microsoft.com/office/powerpoint/2010/main" xmlns:pr="smNativeData" val="SMDATA_13_eIVQYBMAAAAlAAAAZAAAAA0AAAAAAAAAAAAAAAAAAAAAAAAAAAAAAAAAAAAAAAAAAAEAAABQAAAAAAAAAAAA4D8AAAAAAADgPwAAAAAAAOA/AAAAAAAA4D8AAAAAAADgPwAAAAAAAOA/AAAAAAAA4D8AAAAAAADgPwAAAAAAAOA/AAAAAAAA4D8CAAAAjAAAAAAAAAAAAAAA////AP///wgAAAAAAAAAAAAAAAAAAAAAAAAAAAAAAAAAAAAAeAAAAAEAAABAAAAAAAAAAAAAAABaAAAAAAAAAAAAAAAAAAAAAAAAAAAAAAAAAAAAAAAAAAAAAAAAAAAAAAAAAAAAAAAAAAAAAAAAAAAAAAAAAAAAAAAAAAAAAAAAAAAAFAAAADwAAAAAAAAAAAAAAAAAAAAPAAAAAQAAACMAAAAjAAAAIwAAAB4AAAAAAAAAZAAAAGQAAAAAAAAAZAAAAGQAAAAVAAAAYAAAAAAAAAAAAAAADwAAACADAAAAAAAAAAAAAAEAAACgMgAAVgcAAKr4//8BAAAAf39/AAEAAABkAAAAAAAAABQAAABAHwAAAAAAACYAAAAAAAAAwOD//wAAAAAmAAAAZAAAABYAAABMAAAAAAAAAAAAAAAEAAAAAAAAAAEAAADu7OEKAAAAACgAAAAoAAAAZAAAAGQAAAAAAAAAzMzMAAAAAABQAAAAUAAAAGQAAABkAAAAAAAAABcAAAAUAAAAAAAAAAAAAAD/fwAA/38AAAAAAAAJAAAABAAAAGMAAAAMAAAAEAAAAAAAAAAAAAAAAAAAAAAAAAAeAAAAaAAAAAAAAAAAAAAAAAAAAAAAAAAAAAAAECcAABAnAAAAAAAAAAAAAAAAAAAAAAAAAAAAAAAAAAAAAAAAAAAAABQAAAAAAAAAwMD/AAAAAABkAAAAMgAAAAAAAABkAAAAAAAAAH9/fwAKAAAAHwAAAFQAAAD///8A////AQAAAAAAAAAAAAAAAAAAAAAAAAAAAAAAAAAAAAAAAAAAAAAAAH9/fwDu7OEDzMzMAMDA/wB/f38AAAAAAAAAAAAAAAAAAAAAAAAAAAAhAAAAGAAAABQAAADqAQAA4DgAAPAKAACYOgAAEAAAACYAAAAIAAAAAAAAAAAAAAA="/>
               </a:ext>
             </a:extLst>
           </p:cNvSpPr>
@@ -6628,7 +7214,7 @@
             <a:spLocks noGrp="1" noChangeArrowheads="1"/>
             <a:extLst>
               <a:ext uri="smNativeData">
-                <pr:smNativeData xmlns:pr="smNativeData" xmlns:p14="http://schemas.microsoft.com/office/powerpoint/2010/main" xmlns="" val="SMDATA_13_eIVQYBMAAAAlAAAAZAAAAA0AAAAAAAAAAAAAAAAAAAAAAAAAAAAAAAAAAAAAAAAAAAEAAABQAAAAAAAAAAAA4D8AAAAAAADgPwAAAAAAAOA/AAAAAAAA4D8AAAAAAADgPwAAAAAAAOA/AAAAAAAA4D8AAAAAAADgPwAAAAAAAOA/AAAAAAAA4D8CAAAAjAAAAAAAAAAAAAAA////AP///wgAAAAAAAAAAAAAAAAAAAAAAAAAAAAAAAAAAAAAeAAAAAEAAABAAAAAAAAAAAAAAABaAAAAAAAAAAAAAAAAAAAAAAAAAAAAAAAAAAAAAAAAAAAAAAAAAAAAAAAAAAAAAAAAAAAAAAAAAAAAAAAAAAAAAAAAAAAAAAAAAAAAFAAAADwAAAAAAAAAAAAAAAAAAAAPAAAAAQAAACMAAAAjAAAAIwAAAB4AAAAAAAAAZAAAAGQAAAAAAAAAZAAAAGQAAAAVAAAAYAAAAAAAAAAAAAAADwAAACADAAAAAAAAAAAAAAEAAACgMgAAVgcAAKr4//8BAAAAf39/AAEAAABkAAAAAAAAABQAAABAHwAAAAAAACYAAAAAAAAAwOD//wAAAAAmAAAAZAAAABYAAABMAAAAAAAAAAAAAAAEAAAAAAAAAAEAAADu7OEKAAAAACgAAAAoAAAAZAAAAGQAAAAAAAAAzMzMAAAAAABQAAAAUAAAAGQAAABkAAAAAAAAABcAAAAUAAAAAAAAAAAAAAD/fwAA/38AAAAAAAAJAAAABAAAAAAAAAAMAAAAEAAAAAAAAAAAAAAAAAAAAAAAAAAeAAAAaAAAAAAAAAAAAAAAAAAAAAAAAAAAAAAAECcAABAnAAAAAAAAAAAAAAAAAAAAAAAAAAAAAAAAAAAAAAAAAAAAABQAAAAAAAAAwMD/AAAAAABkAAAAMgAAAAAAAABkAAAAAAAAAH9/fwAKAAAAHwAAAFQAAAD///8A////AQAAAAAAAAAAAAAAAAAAAAAAAAAAAAAAAAAAAAAAAAAAAAAAAH9/fwDu7OEDzMzMAMDA/wB/f38AAAAAAAAAAAAAAAAAAAAAAAAAAAAhAAAAGAAAABQAAADQSAAAGDkAABZOAACYOgAAEAAAACYAAAAIAAAAAAAAAAAAAAA="/>
+                <pr:smNativeData xmlns="" xmlns:p14="http://schemas.microsoft.com/office/powerpoint/2010/main" xmlns:pr="smNativeData" val="SMDATA_13_eIVQYBMAAAAlAAAAZAAAAA0AAAAAAAAAAAAAAAAAAAAAAAAAAAAAAAAAAAAAAAAAAAEAAABQAAAAAAAAAAAA4D8AAAAAAADgPwAAAAAAAOA/AAAAAAAA4D8AAAAAAADgPwAAAAAAAOA/AAAAAAAA4D8AAAAAAADgPwAAAAAAAOA/AAAAAAAA4D8CAAAAjAAAAAAAAAAAAAAA////AP///wgAAAAAAAAAAAAAAAAAAAAAAAAAAAAAAAAAAAAAeAAAAAEAAABAAAAAAAAAAAAAAABaAAAAAAAAAAAAAAAAAAAAAAAAAAAAAAAAAAAAAAAAAAAAAAAAAAAAAAAAAAAAAAAAAAAAAAAAAAAAAAAAAAAAAAAAAAAAAAAAAAAAFAAAADwAAAAAAAAAAAAAAAAAAAAPAAAAAQAAACMAAAAjAAAAIwAAAB4AAAAAAAAAZAAAAGQAAAAAAAAAZAAAAGQAAAAVAAAAYAAAAAAAAAAAAAAADwAAACADAAAAAAAAAAAAAAEAAACgMgAAVgcAAKr4//8BAAAAf39/AAEAAABkAAAAAAAAABQAAABAHwAAAAAAACYAAAAAAAAAwOD//wAAAAAmAAAAZAAAABYAAABMAAAAAAAAAAAAAAAEAAAAAAAAAAEAAADu7OEKAAAAACgAAAAoAAAAZAAAAGQAAAAAAAAAzMzMAAAAAABQAAAAUAAAAGQAAABkAAAAAAAAABcAAAAUAAAAAAAAAAAAAAD/fwAA/38AAAAAAAAJAAAABAAAAAAAAAAMAAAAEAAAAAAAAAAAAAAAAAAAAAAAAAAeAAAAaAAAAAAAAAAAAAAAAAAAAAAAAAAAAAAAECcAABAnAAAAAAAAAAAAAAAAAAAAAAAAAAAAAAAAAAAAAAAAAAAAABQAAAAAAAAAwMD/AAAAAABkAAAAMgAAAAAAAABkAAAAAAAAAH9/fwAKAAAAHwAAAFQAAAD///8A////AQAAAAAAAAAAAAAAAAAAAAAAAAAAAAAAAAAAAAAAAAAAAAAAAH9/fwDu7OEDzMzMAMDA/wB/f38AAAAAAAAAAAAAAAAAAAAAAAAAAAAhAAAAGAAAABQAAADQSAAAGDkAABZOAACYOgAAEAAAACYAAAAIAAAAAAAAAAAAAAA="/>
               </a:ext>
             </a:extLst>
           </p:cNvSpPr>
@@ -6645,94 +7231,9 @@
               <a:defRPr lang="de-de"/>
             </a:pPr>
             <a:fld id="{642D5FD3-9D89-78A9-C795-6BFC11DB313E}" type="slidenum">
-              <a:t>15</a:t>
+              <a:t>16</a:t>
             </a:fld>
             <a:endParaRPr/>
-          </a:p>
-        </p:txBody>
-      </p:sp>
-    </p:spTree>
-  </p:cSld>
-  <p:clrMapOvr>
-    <a:masterClrMapping/>
-  </p:clrMapOvr>
-</p:sld>
-</file>
-
-<file path=ppt/slides/slide16.xml><?xml version="1.0" encoding="utf-8"?>
-<p:sld xmlns:a="http://schemas.openxmlformats.org/drawingml/2006/main" xmlns:r="http://schemas.openxmlformats.org/officeDocument/2006/relationships" xmlns:p="http://schemas.openxmlformats.org/presentationml/2006/main">
-  <p:cSld>
-    <p:spTree>
-      <p:nvGrpSpPr>
-        <p:cNvPr id="1" name=""/>
-        <p:cNvGrpSpPr/>
-        <p:nvPr/>
-      </p:nvGrpSpPr>
-      <p:grpSpPr>
-        <a:xfrm>
-          <a:off x="0" y="0"/>
-          <a:ext cx="0" cy="0"/>
-          <a:chOff x="0" y="0"/>
-          <a:chExt cx="0" cy="0"/>
-        </a:xfrm>
-      </p:grpSpPr>
-      <p:sp>
-        <p:nvSpPr>
-          <p:cNvPr id="2" name="Sous-titre 8"/>
-          <p:cNvSpPr>
-            <a:spLocks noGrp="1" noChangeArrowheads="1"/>
-            <a:extLst>
-              <a:ext uri="smNativeData">
-                <pr:smNativeData xmlns:pr="smNativeData" xmlns:p14="http://schemas.microsoft.com/office/powerpoint/2010/main" xmlns="" val="SMDATA_13_eIVQYBMAAAAlAAAAZAAAAA0AAAAAAAAAAAAAAAAAAAAAAAAAAAAAAAAAAAAAAAAAAAEAAABQAAAAAAAAAAAA4D8AAAAAAADgPwAAAAAAAOA/AAAAAAAA4D8AAAAAAADgPwAAAAAAAOA/AAAAAAAA4D8AAAAAAADgPwAAAAAAAOA/AAAAAAAA4D8CAAAAjAAAAAAAAAAAAAAA////AP///wgAAAAAAAAAAAAAAAAAAAAAAAAAAAAAAAAAAAAAeAAAAAEAAABAAAAAAAAAAAAAAABaAAAAAAAAAAAAAAAAAAAAAAAAAAAAAAAAAAAAAAAAAAAAAAAAAAAAAAAAAAAAAAAAAAAAAAAAAAAAAAAAAAAAAAAAAAAAAAAAAAAAFAAAADwAAAAAAAAAAAAAAAAAAAAPAAAAAQAAACMAAAAjAAAAIwAAAB4AAAAAAAAAZAAAAGQAAAAAAAAAZAAAAGQAAAAVAAAAYAAAAAAAAAAAAAAADwAAACADAAAAAAAAAAAAAAEAAACgMgAAVgcAAKr4//8BAAAAf39/AAEAAABkAAAAAAAAABQAAABAHwAAAAAAACYAAAAAAAAAwOD//wAAAAAmAAAAZAAAABYAAABMAAAAAAAAAAAAAAAEAAAAAAAAAAEAAADu7OEKAAAAACgAAAAoAAAAZAAAAGQAAAAAAAAAzMzMAAAAAABQAAAAUAAAAGQAAABkAAAAAAAAABcAAAAUAAAAAAAAAAAAAAD/fwAA/38AAAAAAAAJAAAABAAAAAAAAAAMAAAAEAAAAAAAAAAAAAAAAAAAAAAAAAAeAAAAaAAAAAAAAAAAAAAAAAAAAAAAAAAAAAAAECcAABAnAAAAAAAAAAAAAAAAAAAAAAAAAAAAAAAAAAAAAAAAAAAAABQAAAAAAAAAwMD/AAAAAABkAAAAMgAAAAAAAABkAAAAAAAAAH9/fwAKAAAAHwAAAFQAAAD///8A////AQAAAAAAAAAAAAAAAAAAAAAAAAAAAAAAAAAAAAAAAAAAAAAAAH9/fwDu7OEDzMzMAMDA/wB/f38AAAAAAAAAAAAAAAAAAAAAAAAAAAAhAAAAGAAAABQAAADIBQAAoCMAAMg9AADmJQAAEAAAACYAAAAIAAAAAAAAAAAAAAA="/>
-              </a:ext>
-            </a:extLst>
-          </p:cNvSpPr>
-          <p:nvPr>
-            <p:ph type="subTitle" idx="4"/>
-          </p:nvPr>
-        </p:nvSpPr>
-        <p:spPr/>
-        <p:txBody>
-          <a:bodyPr/>
-          <a:lstStyle/>
-          <a:p>
-            <a:pPr>
-              <a:defRPr lang="de-de"/>
-            </a:pPr>
-            <a:r>
-              <a:rPr lang="en-gb"/>
-              <a:t>Do you have any questions?</a:t>
-            </a:r>
-          </a:p>
-        </p:txBody>
-      </p:sp>
-      <p:sp>
-        <p:nvSpPr>
-          <p:cNvPr id="3" name="Titre 6"/>
-          <p:cNvSpPr>
-            <a:spLocks noGrp="1" noChangeArrowheads="1"/>
-            <a:extLst>
-              <a:ext uri="smNativeData">
-                <pr:smNativeData xmlns:pr="smNativeData" xmlns:p14="http://schemas.microsoft.com/office/powerpoint/2010/main" xmlns="" val="SMDATA_13_eIVQYBMAAAAlAAAAZAAAAA0AAAAAAAAAAAAAAAAAAAAAAAAAAAAAAAAAAAAAAAAAAAEAAABQAAAAAAAAAAAA4D8AAAAAAADgPwAAAAAAAOA/AAAAAAAA4D8AAAAAAADgPwAAAAAAAOA/AAAAAAAA4D8AAAAAAADgPwAAAAAAAOA/AAAAAAAA4D8CAAAAjAAAAAAAAAAAAAAA////AP///wgAAAAAAAAAAAAAAAAAAAAAAAAAAAAAAAAAAAAAeAAAAAEAAABAAAAAAAAAAAAAAABaAAAAAAAAAAAAAAAAAAAAAAAAAAAAAAAAAAAAAAAAAAAAAAAAAAAAAAAAAAAAAAAAAAAAAAAAAAAAAAAAAAAAAAAAAAAAAAAAAAAAFAAAADwAAAAAAAAAAAAAAAAAAAAPAAAAAQAAACMAAAAjAAAAIwAAAB4AAAAAAAAAZAAAAGQAAAAAAAAAZAAAAGQAAAAVAAAAYAAAAAAAAAAAAAAADwAAACADAAAAAAAAAAAAAAEAAACgMgAAVgcAAKr4//8BAAAAf39/AAEAAABkAAAAAAAAABQAAABAHwAAAAAAACYAAAAAAAAAwOD//wAAAAAmAAAAZAAAABYAAABMAAAAAAAAAAAAAAAEAAAAAAAAAAEAAADu7OEKAAAAACgAAAAoAAAAZAAAAGQAAAAAAAAAzMzMAAAAAABQAAAAUAAAAGQAAABkAAAAAAAAABcAAAAUAAAAAAAAAAAAAAD/fwAA/38AAAAAAAAJAAAABAAAAAAAAAAMAAAAEAAAAAAAAAAAAAAAAAAAAAAAAAAeAAAAaAAAAAAAAAAAAAAAAAAAAAAAAAAAAAAAECcAABAnAAAAAAAAAAAAAAAAAAAAAAAAAAAAAAAAAAAAAAAAAAAAABQAAAAAAAAAwMD/AAAAAABkAAAAMgAAAAAAAABkAAAAAAAAAH9/fwAKAAAAHwAAAFQAAAD///8A////AQAAAAAAAAAAAAAAAAAAAAAAAAAAAAAAAAAAAAAAAAAAAAAAAH9/fwDu7OEDzMzMAMDA/wB/f38AAAAAAAAAAAAAAAAAAAAAAAAAAAAhAAAAGAAAABQAAACSBQAAmBwAAERIAABGIgAAEAAAACYAAAAIAAAAAAAAAAAAAAA="/>
-              </a:ext>
-            </a:extLst>
-          </p:cNvSpPr>
-          <p:nvPr>
-            <p:ph type="title"/>
-          </p:nvPr>
-        </p:nvSpPr>
-        <p:spPr/>
-        <p:txBody>
-          <a:bodyPr/>
-          <a:lstStyle/>
-          <a:p>
-            <a:pPr>
-              <a:defRPr lang="de-de"/>
-            </a:pPr>
-            <a:r>
-              <a:rPr lang="en-gb"/>
-              <a:t>Thanks for your attention!</a:t>
-            </a:r>
           </a:p>
         </p:txBody>
       </p:sp>
@@ -6763,17 +7264,17 @@
       </p:grpSpPr>
       <p:sp>
         <p:nvSpPr>
-          <p:cNvPr id="2" name="Titre 1"/>
+          <p:cNvPr id="2" name="Sous-titre 8"/>
           <p:cNvSpPr>
             <a:spLocks noGrp="1" noChangeArrowheads="1"/>
             <a:extLst>
               <a:ext uri="smNativeData">
-                <pr:smNativeData xmlns:pr="smNativeData" xmlns:p14="http://schemas.microsoft.com/office/powerpoint/2010/main" xmlns="" val="SMDATA_13_eIVQYBMAAAAlAAAAZAAAAA0AAAAAAAAAAAAAAAAAAAAAAAAAAAAAAAAAAAAAAAAAAAEAAABQAAAAAAAAAAAA4D8AAAAAAADgPwAAAAAAAOA/AAAAAAAA4D8AAAAAAADgPwAAAAAAAOA/AAAAAAAA4D8AAAAAAADgPwAAAAAAAOA/AAAAAAAA4D8CAAAAjAAAAAAAAAAAAAAA////AP///wgAAAAAAAAAAAAAAAAAAAAAAAAAAAAAAAAAAAAAeAAAAAEAAABAAAAAAAAAAAAAAABaAAAAAAAAAAAAAAAAAAAAAAAAAAAAAAAAAAAAAAAAAAAAAAAAAAAAAAAAAAAAAAAAAAAAAAAAAAAAAAAAAAAAAAAAAAAAAAAAAAAAFAAAADwAAAAAAAAAAAAAAAAAAAAPAAAAAQAAACMAAAAjAAAAIwAAAB4AAAAAAAAAZAAAAGQAAAAAAAAAZAAAAGQAAAAVAAAAYAAAAAAAAAAAAAAADwAAACADAAAAAAAAAAAAAAEAAACgMgAAVgcAAKr4//8BAAAAf39/AAEAAABkAAAAAAAAABQAAABAHwAAAAAAACYAAAAAAAAAwOD//wAAAAAmAAAAZAAAABYAAABMAAAAAAAAAAAAAAAEAAAAAAAAAAEAAADu7OEKAAAAACgAAAAoAAAAZAAAAGQAAAAAAAAAzMzMAAAAAABQAAAAUAAAAGQAAABkAAAAAAAAABcAAAAUAAAAAAAAAAAAAAD/fwAA/38AAAAAAAAJAAAABAAAAAAAAAAMAAAAEAAAAAAAAAAAAAAAAAAAAAAAAAAeAAAAaAAAAAAAAAAAAAAAAAAAAAAAAAAAAAAAECcAABAnAAAAAAAAAAAAAAAAAAAAAAAAAAAAAAAAAAAAAAAAAAAAABQAAAAAAAAAwMD/AAAAAABkAAAAMgAAAAAAAABkAAAAAAAAAH9/fwAKAAAAHwAAAFQAAAD///8A////AQAAAAAAAAAAAAAAAAAAAAAAAAAAAAAAAAAAAAAAAAAAAAAAAH9/fwDu7OEDzMzMAMDA/wB/f38AAAAAAAAAAAAAAAAAAAAAAAAAAAAhAAAAGAAAABQAAADIBQAAiQsAAHpIAACzDwAAEAAAACYAAAAIAAAAAAAAAAAAAAA="/>
-              </a:ext>
-            </a:extLst>
-          </p:cNvSpPr>
-          <p:nvPr>
-            <p:ph type="title"/>
+                <pr:smNativeData xmlns="" xmlns:p14="http://schemas.microsoft.com/office/powerpoint/2010/main" xmlns:pr="smNativeData" val="SMDATA_13_eIVQYBMAAAAlAAAAZAAAAA0AAAAAAAAAAAAAAAAAAAAAAAAAAAAAAAAAAAAAAAAAAAEAAABQAAAAAAAAAAAA4D8AAAAAAADgPwAAAAAAAOA/AAAAAAAA4D8AAAAAAADgPwAAAAAAAOA/AAAAAAAA4D8AAAAAAADgPwAAAAAAAOA/AAAAAAAA4D8CAAAAjAAAAAAAAAAAAAAA////AP///wgAAAAAAAAAAAAAAAAAAAAAAAAAAAAAAAAAAAAAeAAAAAEAAABAAAAAAAAAAAAAAABaAAAAAAAAAAAAAAAAAAAAAAAAAAAAAAAAAAAAAAAAAAAAAAAAAAAAAAAAAAAAAAAAAAAAAAAAAAAAAAAAAAAAAAAAAAAAAAAAAAAAFAAAADwAAAAAAAAAAAAAAAAAAAAPAAAAAQAAACMAAAAjAAAAIwAAAB4AAAAAAAAAZAAAAGQAAAAAAAAAZAAAAGQAAAAVAAAAYAAAAAAAAAAAAAAADwAAACADAAAAAAAAAAAAAAEAAACgMgAAVgcAAKr4//8BAAAAf39/AAEAAABkAAAAAAAAABQAAABAHwAAAAAAACYAAAAAAAAAwOD//wAAAAAmAAAAZAAAABYAAABMAAAAAAAAAAAAAAAEAAAAAAAAAAEAAADu7OEKAAAAACgAAAAoAAAAZAAAAGQAAAAAAAAAzMzMAAAAAABQAAAAUAAAAGQAAABkAAAAAAAAABcAAAAUAAAAAAAAAAAAAAD/fwAA/38AAAAAAAAJAAAABAAAAAAAAAAMAAAAEAAAAAAAAAAAAAAAAAAAAAAAAAAeAAAAaAAAAAAAAAAAAAAAAAAAAAAAAAAAAAAAECcAABAnAAAAAAAAAAAAAAAAAAAAAAAAAAAAAAAAAAAAAAAAAAAAABQAAAAAAAAAwMD/AAAAAABkAAAAMgAAAAAAAABkAAAAAAAAAH9/fwAKAAAAHwAAAFQAAAD///8A////AQAAAAAAAAAAAAAAAAAAAAAAAAAAAAAAAAAAAAAAAAAAAAAAAH9/fwDu7OEDzMzMAMDA/wB/f38AAAAAAAAAAAAAAAAAAAAAAAAAAAAhAAAAGAAAABQAAADIBQAAoCMAAMg9AADmJQAAEAAAACYAAAAIAAAAAAAAAAAAAAA="/>
+              </a:ext>
+            </a:extLst>
+          </p:cNvSpPr>
+          <p:nvPr>
+            <p:ph type="subTitle" idx="4"/>
           </p:nvPr>
         </p:nvSpPr>
         <p:spPr/>
@@ -6786,6 +7287,91 @@
             </a:pPr>
             <a:r>
               <a:rPr lang="en-gb"/>
+              <a:t>Do you have any questions?</a:t>
+            </a:r>
+          </a:p>
+        </p:txBody>
+      </p:sp>
+      <p:sp>
+        <p:nvSpPr>
+          <p:cNvPr id="3" name="Titre 6"/>
+          <p:cNvSpPr>
+            <a:spLocks noGrp="1" noChangeArrowheads="1"/>
+            <a:extLst>
+              <a:ext uri="smNativeData">
+                <pr:smNativeData xmlns="" xmlns:p14="http://schemas.microsoft.com/office/powerpoint/2010/main" xmlns:pr="smNativeData" val="SMDATA_13_eIVQYBMAAAAlAAAAZAAAAA0AAAAAAAAAAAAAAAAAAAAAAAAAAAAAAAAAAAAAAAAAAAEAAABQAAAAAAAAAAAA4D8AAAAAAADgPwAAAAAAAOA/AAAAAAAA4D8AAAAAAADgPwAAAAAAAOA/AAAAAAAA4D8AAAAAAADgPwAAAAAAAOA/AAAAAAAA4D8CAAAAjAAAAAAAAAAAAAAA////AP///wgAAAAAAAAAAAAAAAAAAAAAAAAAAAAAAAAAAAAAeAAAAAEAAABAAAAAAAAAAAAAAABaAAAAAAAAAAAAAAAAAAAAAAAAAAAAAAAAAAAAAAAAAAAAAAAAAAAAAAAAAAAAAAAAAAAAAAAAAAAAAAAAAAAAAAAAAAAAAAAAAAAAFAAAADwAAAAAAAAAAAAAAAAAAAAPAAAAAQAAACMAAAAjAAAAIwAAAB4AAAAAAAAAZAAAAGQAAAAAAAAAZAAAAGQAAAAVAAAAYAAAAAAAAAAAAAAADwAAACADAAAAAAAAAAAAAAEAAACgMgAAVgcAAKr4//8BAAAAf39/AAEAAABkAAAAAAAAABQAAABAHwAAAAAAACYAAAAAAAAAwOD//wAAAAAmAAAAZAAAABYAAABMAAAAAAAAAAAAAAAEAAAAAAAAAAEAAADu7OEKAAAAACgAAAAoAAAAZAAAAGQAAAAAAAAAzMzMAAAAAABQAAAAUAAAAGQAAABkAAAAAAAAABcAAAAUAAAAAAAAAAAAAAD/fwAA/38AAAAAAAAJAAAABAAAAAAAAAAMAAAAEAAAAAAAAAAAAAAAAAAAAAAAAAAeAAAAaAAAAAAAAAAAAAAAAAAAAAAAAAAAAAAAECcAABAnAAAAAAAAAAAAAAAAAAAAAAAAAAAAAAAAAAAAAAAAAAAAABQAAAAAAAAAwMD/AAAAAABkAAAAMgAAAAAAAABkAAAAAAAAAH9/fwAKAAAAHwAAAFQAAAD///8A////AQAAAAAAAAAAAAAAAAAAAAAAAAAAAAAAAAAAAAAAAAAAAAAAAH9/fwDu7OEDzMzMAMDA/wB/f38AAAAAAAAAAAAAAAAAAAAAAAAAAAAhAAAAGAAAABQAAACSBQAAmBwAAERIAABGIgAAEAAAACYAAAAIAAAAAAAAAAAAAAA="/>
+              </a:ext>
+            </a:extLst>
+          </p:cNvSpPr>
+          <p:nvPr>
+            <p:ph type="title"/>
+          </p:nvPr>
+        </p:nvSpPr>
+        <p:spPr/>
+        <p:txBody>
+          <a:bodyPr/>
+          <a:lstStyle/>
+          <a:p>
+            <a:pPr>
+              <a:defRPr lang="de-de"/>
+            </a:pPr>
+            <a:r>
+              <a:rPr lang="en-gb"/>
+              <a:t>Thanks for your attention!</a:t>
+            </a:r>
+          </a:p>
+        </p:txBody>
+      </p:sp>
+    </p:spTree>
+  </p:cSld>
+  <p:clrMapOvr>
+    <a:masterClrMapping/>
+  </p:clrMapOvr>
+</p:sld>
+</file>
+
+<file path=ppt/slides/slide18.xml><?xml version="1.0" encoding="utf-8"?>
+<p:sld xmlns:a="http://schemas.openxmlformats.org/drawingml/2006/main" xmlns:r="http://schemas.openxmlformats.org/officeDocument/2006/relationships" xmlns:p="http://schemas.openxmlformats.org/presentationml/2006/main">
+  <p:cSld>
+    <p:spTree>
+      <p:nvGrpSpPr>
+        <p:cNvPr id="1" name=""/>
+        <p:cNvGrpSpPr/>
+        <p:nvPr/>
+      </p:nvGrpSpPr>
+      <p:grpSpPr>
+        <a:xfrm>
+          <a:off x="0" y="0"/>
+          <a:ext cx="0" cy="0"/>
+          <a:chOff x="0" y="0"/>
+          <a:chExt cx="0" cy="0"/>
+        </a:xfrm>
+      </p:grpSpPr>
+      <p:sp>
+        <p:nvSpPr>
+          <p:cNvPr id="2" name="Titre 1"/>
+          <p:cNvSpPr>
+            <a:spLocks noGrp="1" noChangeArrowheads="1"/>
+            <a:extLst>
+              <a:ext uri="smNativeData">
+                <pr:smNativeData xmlns="" xmlns:p14="http://schemas.microsoft.com/office/powerpoint/2010/main" xmlns:pr="smNativeData" val="SMDATA_13_eIVQYBMAAAAlAAAAZAAAAA0AAAAAAAAAAAAAAAAAAAAAAAAAAAAAAAAAAAAAAAAAAAEAAABQAAAAAAAAAAAA4D8AAAAAAADgPwAAAAAAAOA/AAAAAAAA4D8AAAAAAADgPwAAAAAAAOA/AAAAAAAA4D8AAAAAAADgPwAAAAAAAOA/AAAAAAAA4D8CAAAAjAAAAAAAAAAAAAAA////AP///wgAAAAAAAAAAAAAAAAAAAAAAAAAAAAAAAAAAAAAeAAAAAEAAABAAAAAAAAAAAAAAABaAAAAAAAAAAAAAAAAAAAAAAAAAAAAAAAAAAAAAAAAAAAAAAAAAAAAAAAAAAAAAAAAAAAAAAAAAAAAAAAAAAAAAAAAAAAAAAAAAAAAFAAAADwAAAAAAAAAAAAAAAAAAAAPAAAAAQAAACMAAAAjAAAAIwAAAB4AAAAAAAAAZAAAAGQAAAAAAAAAZAAAAGQAAAAVAAAAYAAAAAAAAAAAAAAADwAAACADAAAAAAAAAAAAAAEAAACgMgAAVgcAAKr4//8BAAAAf39/AAEAAABkAAAAAAAAABQAAABAHwAAAAAAACYAAAAAAAAAwOD//wAAAAAmAAAAZAAAABYAAABMAAAAAAAAAAAAAAAEAAAAAAAAAAEAAADu7OEKAAAAACgAAAAoAAAAZAAAAGQAAAAAAAAAzMzMAAAAAABQAAAAUAAAAGQAAABkAAAAAAAAABcAAAAUAAAAAAAAAAAAAAD/fwAA/38AAAAAAAAJAAAABAAAAAAAAAAMAAAAEAAAAAAAAAAAAAAAAAAAAAAAAAAeAAAAaAAAAAAAAAAAAAAAAAAAAAAAAAAAAAAAECcAABAnAAAAAAAAAAAAAAAAAAAAAAAAAAAAAAAAAAAAAAAAAAAAABQAAAAAAAAAwMD/AAAAAABkAAAAMgAAAAAAAABkAAAAAAAAAH9/fwAKAAAAHwAAAFQAAAD///8A////AQAAAAAAAAAAAAAAAAAAAAAAAAAAAAAAAAAAAAAAAAAAAAAAAH9/fwDu7OEDzMzMAMDA/wB/f38AAAAAAAAAAAAAAAAAAAAAAAAAAAAhAAAAGAAAABQAAADIBQAAiQsAAHpIAACzDwAAEAAAACYAAAAIAAAAAAAAAAAAAAA="/>
+              </a:ext>
+            </a:extLst>
+          </p:cNvSpPr>
+          <p:nvPr>
+            <p:ph type="title"/>
+          </p:nvPr>
+        </p:nvSpPr>
+        <p:spPr/>
+        <p:txBody>
+          <a:bodyPr/>
+          <a:lstStyle/>
+          <a:p>
+            <a:pPr>
+              <a:defRPr lang="de-de"/>
+            </a:pPr>
+            <a:r>
+              <a:rPr lang="en-gb"/>
               <a:t>References</a:t>
             </a:r>
           </a:p>
@@ -6798,7 +7384,7 @@
             <a:spLocks noGrp="1" noChangeArrowheads="1"/>
             <a:extLst>
               <a:ext uri="smNativeData">
-                <pr:smNativeData xmlns:pr="smNativeData" xmlns:p14="http://schemas.microsoft.com/office/powerpoint/2010/main" xmlns="" val="SMDATA_13_eIVQYBMAAAAlAAAAZAAAAA0AAAAAAAAAAAAAAAAAAAAAAAAAAAAAAAAAAAAAAAAAAAEAAABQAAAAAAAAAAAA4D8AAAAAAADgPwAAAAAAAOA/AAAAAAAA4D8AAAAAAADgPwAAAAAAAOA/AAAAAAAA4D8AAAAAAADgPwAAAAAAAOA/AAAAAAAA4D8CAAAAjAAAAAAAAAAAAAAA////AP///wgAAAAAAAAAAAAAAAAAAAAAAAAAAAAAAAAAAAAAeAAAAAEAAABAAAAAAAAAAAAAAABaAAAAAAAAAAAAAAAAAAAAAAAAAAAAAAAAAAAAAAAAAAAAAAAAAAAAAAAAAAAAAAAAAAAAAAAAAAAAAAAAAAAAAAAAAAAAAAAAAAAAFAAAADwAAAAAAAAAAAAAAAAAAAAPAAAAAQAAACMAAAAjAAAAIwAAAB4AAAAAAAAAZAAAAGQAAAAAAAAAZAAAAGQAAAAVAAAAYAAAAAAAAAAAAAAADwAAACADAAAAAAAAAAAAAAEAAACgMgAAVgcAAKr4//8BAAAAf39/AAEAAABkAAAAAAAAABQAAABAHwAAAAAAACYAAAAAAAAAwOD//wAAAAAmAAAAZAAAABYAAABMAAAAAAAAAAAAAAAEAAAAAAAAAAEAAADu7OEKAAAAACgAAAAoAAAAZAAAAGQAAAAAAAAAzMzMAAAAAABQAAAAUAAAAGQAAABkAAAAAAAAABcAAAAUAAAAAAAAAAAAAAD/fwAA/38AAAAAAAAJAAAABAAAAAAAAAAMAAAAEAAAAAAAAAAAAAAAAAAAAAAAAAAeAAAAaAAAAAAAAAAAAAAAAAAAAAAAAAAAAAAAECcAABAnAAAAAAAAAAAAAAAAAAAAAAAAAAAAAAAAAAAAAAAAAAAAABQAAAAAAAAAwMD/AAAAAABkAAAAMgAAAAAAAABkAAAAAAAAAH9/fwAKAAAAHwAAAFQAAAD///8A////AQAAAAAAAAAAAAAAAAAAAAAAAAAAAAAAAAAAAAAAAAAAAAAAAH9/fwDu7OEDzMzMAMDA/wB/f38AAAAAAAAAAAAAAAAAAAAAAAAAAAAhAAAAGAAAABQAAADIBQAAwBIAAKpJAACgOwAAEAAAACYAAAAIAAAAAQAAAAAAAAA="/>
+                <pr:smNativeData xmlns="" xmlns:p14="http://schemas.microsoft.com/office/powerpoint/2010/main" xmlns:pr="smNativeData" val="SMDATA_13_eIVQYBMAAAAlAAAAZAAAAA0AAAAAAAAAAAAAAAAAAAAAAAAAAAAAAAAAAAAAAAAAAAEAAABQAAAAAAAAAAAA4D8AAAAAAADgPwAAAAAAAOA/AAAAAAAA4D8AAAAAAADgPwAAAAAAAOA/AAAAAAAA4D8AAAAAAADgPwAAAAAAAOA/AAAAAAAA4D8CAAAAjAAAAAAAAAAAAAAA////AP///wgAAAAAAAAAAAAAAAAAAAAAAAAAAAAAAAAAAAAAeAAAAAEAAABAAAAAAAAAAAAAAABaAAAAAAAAAAAAAAAAAAAAAAAAAAAAAAAAAAAAAAAAAAAAAAAAAAAAAAAAAAAAAAAAAAAAAAAAAAAAAAAAAAAAAAAAAAAAAAAAAAAAFAAAADwAAAAAAAAAAAAAAAAAAAAPAAAAAQAAACMAAAAjAAAAIwAAAB4AAAAAAAAAZAAAAGQAAAAAAAAAZAAAAGQAAAAVAAAAYAAAAAAAAAAAAAAADwAAACADAAAAAAAAAAAAAAEAAACgMgAAVgcAAKr4//8BAAAAf39/AAEAAABkAAAAAAAAABQAAABAHwAAAAAAACYAAAAAAAAAwOD//wAAAAAmAAAAZAAAABYAAABMAAAAAAAAAAAAAAAEAAAAAAAAAAEAAADu7OEKAAAAACgAAAAoAAAAZAAAAGQAAAAAAAAAzMzMAAAAAABQAAAAUAAAAGQAAABkAAAAAAAAABcAAAAUAAAAAAAAAAAAAAD/fwAA/38AAAAAAAAJAAAABAAAAAAAAAAMAAAAEAAAAAAAAAAAAAAAAAAAAAAAAAAeAAAAaAAAAAAAAAAAAAAAAAAAAAAAAAAAAAAAECcAABAnAAAAAAAAAAAAAAAAAAAAAAAAAAAAAAAAAAAAAAAAAAAAABQAAAAAAAAAwMD/AAAAAABkAAAAMgAAAAAAAABkAAAAAAAAAH9/fwAKAAAAHwAAAFQAAAD///8A////AQAAAAAAAAAAAAAAAAAAAAAAAAAAAAAAAAAAAAAAAAAAAAAAAH9/fwDu7OEDzMzMAMDA/wB/f38AAAAAAAAAAAAAAAAAAAAAAAAAAAAhAAAAGAAAABQAAADIBQAAwBIAAKpJAACgOwAAEAAAACYAAAAIAAAAAQAAAAAAAAA="/>
               </a:ext>
             </a:extLst>
           </p:cNvSpPr>
@@ -6949,7 +7535,7 @@
             <a:spLocks noGrp="1" noChangeArrowheads="1"/>
             <a:extLst>
               <a:ext uri="smNativeData">
-                <pr:smNativeData xmlns:pr="smNativeData" xmlns:p14="http://schemas.microsoft.com/office/powerpoint/2010/main" xmlns="" val="SMDATA_13_eIVQYBMAAAAlAAAAZAAAAA0AAAAAAAAAAAAAAAAAAAAAAAAAAAAAAAAAAAAAAAAAAAEAAABQAAAAAAAAAAAA4D8AAAAAAADgPwAAAAAAAOA/AAAAAAAA4D8AAAAAAADgPwAAAAAAAOA/AAAAAAAA4D8AAAAAAADgPwAAAAAAAOA/AAAAAAAA4D8CAAAAjAAAAAAAAAAAAAAA////AP///wgAAAAAAAAAAAAAAAAAAAAAAAAAAAAAAAAAAAAAeAAAAAEAAABAAAAAAAAAAAAAAABaAAAAAAAAAAAAAAAAAAAAAAAAAAAAAAAAAAAAAAAAAAAAAAAAAAAAAAAAAAAAAAAAAAAAAAAAAAAAAAAAAAAAAAAAAAAAAAAAAAAAFAAAADwAAAAAAAAAAAAAAAAAAAAPAAAAAQAAACMAAAAjAAAAIwAAAB4AAAAAAAAAZAAAAGQAAAAAAAAAZAAAAGQAAAAVAAAAYAAAAAAAAAAAAAAADwAAACADAAAAAAAAAAAAAAEAAACgMgAAVgcAAKr4//8BAAAAf39/AAEAAABkAAAAAAAAABQAAABAHwAAAAAAACYAAAAAAAAAwOD//wAAAAAmAAAAZAAAABYAAABMAAAAAAAAAAAAAAAEAAAAAAAAAAEAAADu7OEKAAAAACgAAAAoAAAAZAAAAGQAAAAAAAAAzMzMAAAAAABQAAAAUAAAAGQAAABkAAAAAAAAABcAAAAUAAAAAAAAAAAAAAD/fwAA/38AAAAAAAAJAAAABAAAAAAAAAAMAAAAEAAAAAAAAAAAAAAAAAAAAAAAAAAeAAAAaAAAAAAAAAAAAAAAAAAAAAAAAAAAAAAAECcAABAnAAAAAAAAAAAAAAAAAAAAAAAAAAAAAAAAAAAAAAAAAAAAABQAAAAAAAAAwMD/AAAAAABkAAAAMgAAAAAAAABkAAAAAAAAAH9/fwAKAAAAHwAAAFQAAAD///8A////AQAAAAAAAAAAAAAAAAAAAAAAAAAAAAAAAAAAAAAAAAAAAAAAAH9/fwDu7OEDzMzMAMDA/wB/f38AAAAAAAAAAAAAAAAAAAAAAAAAAAAhAAAAGAAAABQAAADqAQAA4DgAAPAKAACYOgAAEAAAACYAAAAIAAAAAAAAAAAAAAA="/>
+                <pr:smNativeData xmlns="" xmlns:p14="http://schemas.microsoft.com/office/powerpoint/2010/main" xmlns:pr="smNativeData" val="SMDATA_13_eIVQYBMAAAAlAAAAZAAAAA0AAAAAAAAAAAAAAAAAAAAAAAAAAAAAAAAAAAAAAAAAAAEAAABQAAAAAAAAAAAA4D8AAAAAAADgPwAAAAAAAOA/AAAAAAAA4D8AAAAAAADgPwAAAAAAAOA/AAAAAAAA4D8AAAAAAADgPwAAAAAAAOA/AAAAAAAA4D8CAAAAjAAAAAAAAAAAAAAA////AP///wgAAAAAAAAAAAAAAAAAAAAAAAAAAAAAAAAAAAAAeAAAAAEAAABAAAAAAAAAAAAAAABaAAAAAAAAAAAAAAAAAAAAAAAAAAAAAAAAAAAAAAAAAAAAAAAAAAAAAAAAAAAAAAAAAAAAAAAAAAAAAAAAAAAAAAAAAAAAAAAAAAAAFAAAADwAAAAAAAAAAAAAAAAAAAAPAAAAAQAAACMAAAAjAAAAIwAAAB4AAAAAAAAAZAAAAGQAAAAAAAAAZAAAAGQAAAAVAAAAYAAAAAAAAAAAAAAADwAAACADAAAAAAAAAAAAAAEAAACgMgAAVgcAAKr4//8BAAAAf39/AAEAAABkAAAAAAAAABQAAABAHwAAAAAAACYAAAAAAAAAwOD//wAAAAAmAAAAZAAAABYAAABMAAAAAAAAAAAAAAAEAAAAAAAAAAEAAADu7OEKAAAAACgAAAAoAAAAZAAAAGQAAAAAAAAAzMzMAAAAAABQAAAAUAAAAGQAAABkAAAAAAAAABcAAAAUAAAAAAAAAAAAAAD/fwAA/38AAAAAAAAJAAAABAAAAAAAAAAMAAAAEAAAAAAAAAAAAAAAAAAAAAAAAAAeAAAAaAAAAAAAAAAAAAAAAAAAAAAAAAAAAAAAECcAABAnAAAAAAAAAAAAAAAAAAAAAAAAAAAAAAAAAAAAAAAAAAAAABQAAAAAAAAAwMD/AAAAAABkAAAAMgAAAAAAAABkAAAAAAAAAH9/fwAKAAAAHwAAAFQAAAD///8A////AQAAAAAAAAAAAAAAAAAAAAAAAAAAAAAAAAAAAAAAAAAAAAAAAH9/fwDu7OEDzMzMAMDA/wB/f38AAAAAAAAAAAAAAAAAAAAAAAAAAAAhAAAAGAAAABQAAADqAQAA4DgAAPAKAACYOgAAEAAAACYAAAAIAAAAAAAAAAAAAAA="/>
               </a:ext>
             </a:extLst>
           </p:cNvSpPr>
@@ -6978,7 +7564,7 @@
             <a:spLocks noGrp="1" noChangeArrowheads="1"/>
             <a:extLst>
               <a:ext uri="smNativeData">
-                <pr:smNativeData xmlns:pr="smNativeData" xmlns:p14="http://schemas.microsoft.com/office/powerpoint/2010/main" xmlns="" val="SMDATA_13_eIVQYBMAAAAlAAAAZAAAAA0AAAAAAAAAAAAAAAAAAAAAAAAAAAAAAAAAAAAAAAAAAAEAAABQAAAAAAAAAAAA4D8AAAAAAADgPwAAAAAAAOA/AAAAAAAA4D8AAAAAAADgPwAAAAAAAOA/AAAAAAAA4D8AAAAAAADgPwAAAAAAAOA/AAAAAAAA4D8CAAAAjAAAAAAAAAAAAAAA////AP///wgAAAAAAAAAAAAAAAAAAAAAAAAAAAAAAAAAAAAAeAAAAAEAAABAAAAAAAAAAAAAAABaAAAAAAAAAAAAAAAAAAAAAAAAAAAAAAAAAAAAAAAAAAAAAAAAAAAAAAAAAAAAAAAAAAAAAAAAAAAAAAAAAAAAAAAAAAAAAAAAAAAAFAAAADwAAAAAAAAAAAAAAAAAAAAPAAAAAQAAACMAAAAjAAAAIwAAAB4AAAAAAAAAZAAAAGQAAAAAAAAAZAAAAGQAAAAVAAAAYAAAAAAAAAAAAAAADwAAACADAAAAAAAAAAAAAAEAAACgMgAAVgcAAKr4//8BAAAAf39/AAEAAABkAAAAAAAAABQAAABAHwAAAAAAACYAAAAAAAAAwOD//wAAAAAmAAAAZAAAABYAAABMAAAAAAAAAAAAAAAEAAAAAAAAAAEAAADu7OEKAAAAACgAAAAoAAAAZAAAAGQAAAAAAAAAzMzMAAAAAABQAAAAUAAAAGQAAABkAAAAAAAAABcAAAAUAAAAAAAAAAAAAAD/fwAA/38AAAAAAAAJAAAABAAAAAAAAAAMAAAAEAAAAAAAAAAAAAAAAAAAAAAAAAAeAAAAaAAAAAAAAAAAAAAAAAAAAAAAAAAAAAAAECcAABAnAAAAAAAAAAAAAAAAAAAAAAAAAAAAAAAAAAAAAAAAAAAAABQAAAAAAAAAwMD/AAAAAABkAAAAMgAAAAAAAABkAAAAAAAAAH9/fwAKAAAAHwAAAFQAAAD///8A////AQAAAAAAAAAAAAAAAAAAAAAAAAAAAAAAAAAAAAAAAAAAAAAAAH9/fwDu7OEDzMzMAMDA/wB/f38AAAAAAAAAAAAAAAAAAAAAAAAAAAAhAAAAGAAAABQAAADQSAAAGDkAABZOAACYOgAAEAAAACYAAAAIAAAAAAAAAAAAAAA="/>
+                <pr:smNativeData xmlns="" xmlns:p14="http://schemas.microsoft.com/office/powerpoint/2010/main" xmlns:pr="smNativeData" val="SMDATA_13_eIVQYBMAAAAlAAAAZAAAAA0AAAAAAAAAAAAAAAAAAAAAAAAAAAAAAAAAAAAAAAAAAAEAAABQAAAAAAAAAAAA4D8AAAAAAADgPwAAAAAAAOA/AAAAAAAA4D8AAAAAAADgPwAAAAAAAOA/AAAAAAAA4D8AAAAAAADgPwAAAAAAAOA/AAAAAAAA4D8CAAAAjAAAAAAAAAAAAAAA////AP///wgAAAAAAAAAAAAAAAAAAAAAAAAAAAAAAAAAAAAAeAAAAAEAAABAAAAAAAAAAAAAAABaAAAAAAAAAAAAAAAAAAAAAAAAAAAAAAAAAAAAAAAAAAAAAAAAAAAAAAAAAAAAAAAAAAAAAAAAAAAAAAAAAAAAAAAAAAAAAAAAAAAAFAAAADwAAAAAAAAAAAAAAAAAAAAPAAAAAQAAACMAAAAjAAAAIwAAAB4AAAAAAAAAZAAAAGQAAAAAAAAAZAAAAGQAAAAVAAAAYAAAAAAAAAAAAAAADwAAACADAAAAAAAAAAAAAAEAAACgMgAAVgcAAKr4//8BAAAAf39/AAEAAABkAAAAAAAAABQAAABAHwAAAAAAACYAAAAAAAAAwOD//wAAAAAmAAAAZAAAABYAAABMAAAAAAAAAAAAAAAEAAAAAAAAAAEAAADu7OEKAAAAACgAAAAoAAAAZAAAAGQAAAAAAAAAzMzMAAAAAABQAAAAUAAAAGQAAABkAAAAAAAAABcAAAAUAAAAAAAAAAAAAAD/fwAA/38AAAAAAAAJAAAABAAAAAAAAAAMAAAAEAAAAAAAAAAAAAAAAAAAAAAAAAAeAAAAaAAAAAAAAAAAAAAAAAAAAAAAAAAAAAAAECcAABAnAAAAAAAAAAAAAAAAAAAAAAAAAAAAAAAAAAAAAAAAAAAAABQAAAAAAAAAwMD/AAAAAABkAAAAMgAAAAAAAABkAAAAAAAAAH9/fwAKAAAAHwAAAFQAAAD///8A////AQAAAAAAAAAAAAAAAAAAAAAAAAAAAAAAAAAAAAAAAAAAAAAAAH9/fwDu7OEDzMzMAMDA/wB/f38AAAAAAAAAAAAAAAAAAAAAAAAAAAAhAAAAGAAAABQAAADQSAAAGDkAABZOAACYOgAAEAAAACYAAAAIAAAAAAAAAAAAAAA="/>
               </a:ext>
             </a:extLst>
           </p:cNvSpPr>
@@ -6995,7 +7581,7 @@
               <a:defRPr lang="de-de"/>
             </a:pPr>
             <a:fld id="{0465078A-C4E9-30F1-A7DD-32A449935167}" type="slidenum">
-              <a:t>17</a:t>
+              <a:t>18</a:t>
             </a:fld>
             <a:endParaRPr/>
           </a:p>
@@ -7033,7 +7619,7 @@
             <a:spLocks noGrp="1" noChangeArrowheads="1"/>
             <a:extLst>
               <a:ext uri="smNativeData">
-                <pr:smNativeData xmlns:pr="smNativeData" xmlns:p14="http://schemas.microsoft.com/office/powerpoint/2010/main" xmlns="" val="SMDATA_13_eIVQYBMAAAAlAAAAZAAAAA0AAAAAAAAAAAAAAAAAAAAAAAAAAAAAAAAAAAAAAAAAAAEAAABQAAAAAAAAAAAA4D8AAAAAAADgPwAAAAAAAOA/AAAAAAAA4D8AAAAAAADgPwAAAAAAAOA/AAAAAAAA4D8AAAAAAADgPwAAAAAAAOA/AAAAAAAA4D8CAAAAjAAAAAAAAAAAAAAA////AP///wgAAAAAAAAAAAAAAAAAAAAAAAAAAAAAAAAAAAAAeAAAAAEAAABAAAAAAAAAAAAAAABaAAAAAAAAAAAAAAAAAAAAAAAAAAAAAAAAAAAAAAAAAAAAAAAAAAAAAAAAAAAAAAAAAAAAAAAAAAAAAAAAAAAAAAAAAAAAAAAAAAAAFAAAADwAAAAAAAAAAAAAAAAAAAAPAAAAAQAAACMAAAAjAAAAIwAAAB4AAAAAAAAAZAAAAGQAAAAAAAAAZAAAAGQAAAAVAAAAYAAAAAAAAAAAAAAADwAAACADAAAAAAAAAAAAAAEAAACgMgAAVgcAAKr4//8BAAAAf39/AAEAAABkAAAAAAAAABQAAABAHwAAAAAAACYAAAAAAAAAwOD//wAAAAAmAAAAZAAAABYAAABMAAAAAAAAAAAAAAAEAAAAAAAAAAEAAADu7OEKAAAAACgAAAAoAAAAZAAAAGQAAAAAAAAAzMzMAAAAAABQAAAAUAAAAGQAAABkAAAAAAAAABcAAAAUAAAAAAAAAAAAAAD/fwAA/38AAAAAAAAJAAAABAAAAPkGAAAMAAAAEAAAAAAAAAAAAAAAAAAAAAAAAAAeAAAAaAAAAAAAAAAAAAAAAAAAAAAAAAAAAAAAECcAABAnAAAAAAAAAAAAAAAAAAAAAAAAAAAAAAAAAAAAAAAAAAAAABQAAAAAAAAAwMD/AAAAAABkAAAAMgAAAAAAAABkAAAAAAAAAH9/fwAKAAAAHwAAAFQAAAD///8A////AQAAAAAAAAAAAAAAAAAAAAAAAAAAAAAAAAAAAAAAAAAAAAAAAH9/fwDu7OEDzMzMAMDA/wB/f38AAAAAAAAAAAAAAAAAAAAAAAAAAAAhAAAAGAAAABQAAADIBQAAiQsAAHpIAACzDwAAEAAAACYAAAAIAAAAAAAAAAAAAAA="/>
+                <pr:smNativeData xmlns="" xmlns:p14="http://schemas.microsoft.com/office/powerpoint/2010/main" xmlns:pr="smNativeData" val="SMDATA_13_eIVQYBMAAAAlAAAAZAAAAA0AAAAAAAAAAAAAAAAAAAAAAAAAAAAAAAAAAAAAAAAAAAEAAABQAAAAAAAAAAAA4D8AAAAAAADgPwAAAAAAAOA/AAAAAAAA4D8AAAAAAADgPwAAAAAAAOA/AAAAAAAA4D8AAAAAAADgPwAAAAAAAOA/AAAAAAAA4D8CAAAAjAAAAAAAAAAAAAAA////AP///wgAAAAAAAAAAAAAAAAAAAAAAAAAAAAAAAAAAAAAeAAAAAEAAABAAAAAAAAAAAAAAABaAAAAAAAAAAAAAAAAAAAAAAAAAAAAAAAAAAAAAAAAAAAAAAAAAAAAAAAAAAAAAAAAAAAAAAAAAAAAAAAAAAAAAAAAAAAAAAAAAAAAFAAAADwAAAAAAAAAAAAAAAAAAAAPAAAAAQAAACMAAAAjAAAAIwAAAB4AAAAAAAAAZAAAAGQAAAAAAAAAZAAAAGQAAAAVAAAAYAAAAAAAAAAAAAAADwAAACADAAAAAAAAAAAAAAEAAACgMgAAVgcAAKr4//8BAAAAf39/AAEAAABkAAAAAAAAABQAAABAHwAAAAAAACYAAAAAAAAAwOD//wAAAAAmAAAAZAAAABYAAABMAAAAAAAAAAAAAAAEAAAAAAAAAAEAAADu7OEKAAAAACgAAAAoAAAAZAAAAGQAAAAAAAAAzMzMAAAAAABQAAAAUAAAAGQAAABkAAAAAAAAABcAAAAUAAAAAAAAAAAAAAD/fwAA/38AAAAAAAAJAAAABAAAAPkGAAAMAAAAEAAAAAAAAAAAAAAAAAAAAAAAAAAeAAAAaAAAAAAAAAAAAAAAAAAAAAAAAAAAAAAAECcAABAnAAAAAAAAAAAAAAAAAAAAAAAAAAAAAAAAAAAAAAAAAAAAABQAAAAAAAAAwMD/AAAAAABkAAAAMgAAAAAAAABkAAAAAAAAAH9/fwAKAAAAHwAAAFQAAAD///8A////AQAAAAAAAAAAAAAAAAAAAAAAAAAAAAAAAAAAAAAAAAAAAAAAAH9/fwDu7OEDzMzMAMDA/wB/f38AAAAAAAAAAAAAAAAAAAAAAAAAAAAhAAAAGAAAABQAAADIBQAAiQsAAHpIAACzDwAAEAAAACYAAAAIAAAAAAAAAAAAAAA="/>
               </a:ext>
             </a:extLst>
           </p:cNvSpPr>
@@ -7062,7 +7648,7 @@
             <a:spLocks noGrp="1" noChangeArrowheads="1"/>
             <a:extLst>
               <a:ext uri="smNativeData">
-                <pr:smNativeData xmlns:pr="smNativeData" xmlns:p14="http://schemas.microsoft.com/office/powerpoint/2010/main" xmlns="" val="SMDATA_13_eIVQYBMAAAAlAAAAZAAAAA0AAAAAAAAAAAAAAAAAAAAAAAAAAAAAAAAAAAAAAAAAAAEAAABQAAAAAAAAAAAA4D8AAAAAAADgPwAAAAAAAOA/AAAAAAAA4D8AAAAAAADgPwAAAAAAAOA/AAAAAAAA4D8AAAAAAADgPwAAAAAAAOA/AAAAAAAA4D8CAAAAjAAAAAAAAAAAAAAA////AP///wgAAAAAAAAAAAAAAAAAAAAAAAAAAAAAAAAAAAAAeAAAAAEAAABAAAAAAAAAAAAAAABaAAAAAAAAAAAAAAAAAAAAAAAAAAAAAAAAAAAAAAAAAAAAAAAAAAAAAAAAAAAAAAAAAAAAAAAAAAAAAAAAAAAAAAAAAAAAAAAAAAAAFAAAADwAAAAAAAAAAAAAAAAAAAAPAAAAAQAAACMAAAAjAAAAIwAAAB4AAAAAAAAAZAAAAGQAAAAAAAAAZAAAAGQAAAAVAAAAYAAAAAAAAAAAAAAADwAAACADAAAAAAAAAAAAAAEAAACgMgAAVgcAAKr4//8BAAAAf39/AAEAAABkAAAAAAAAABQAAABAHwAAAAAAACYAAAAAAAAAwOD//wAAAAAmAAAAZAAAABYAAABMAAAAAAAAAAAAAAAEAAAAAAAAAAEAAADu7OEKAAAAACgAAAAoAAAAZAAAAGQAAAAAAAAAzMzMAAAAAABQAAAAUAAAAGQAAABkAAAAAAAAABcAAAAUAAAAAAAAAAAAAAD/fwAA/38AAAAAAAAJAAAABAAAAAAPTLoMAAAAEAAAAAAAAAAAAAAAAAAAAAAAAAAeAAAAaAAAAAAAAAAAAAAAAAAAAAAAAAAAAAAAECcAABAnAAAAAAAAAAAAAAAAAAAAAAAAAAAAAAAAAAAAAAAAAAAAABQAAAAAAAAAwMD/AAAAAABkAAAAMgAAAAAAAABkAAAAAAAAAH9/fwAKAAAAHwAAAFQAAAD///8A////AQAAAAAAAAAAAAAAAAAAAAAAAAAAAAAAAAAAAAAAAAAAAAAAAH9/fwDu7OEDzMzMAMDA/wB/f38AAAAAAAAAAAAAAAAAAAAAAAAAAAAhAAAAGAAAABQAAADIBQAAwBIAAHpIAAAwLQAAEAAAACYAAAAIAAAAAYAAAAAAAAA="/>
+                <pr:smNativeData xmlns="" xmlns:p14="http://schemas.microsoft.com/office/powerpoint/2010/main" xmlns:pr="smNativeData" val="SMDATA_13_eIVQYBMAAAAlAAAAZAAAAA0AAAAAAAAAAAAAAAAAAAAAAAAAAAAAAAAAAAAAAAAAAAEAAABQAAAAAAAAAAAA4D8AAAAAAADgPwAAAAAAAOA/AAAAAAAA4D8AAAAAAADgPwAAAAAAAOA/AAAAAAAA4D8AAAAAAADgPwAAAAAAAOA/AAAAAAAA4D8CAAAAjAAAAAAAAAAAAAAA////AP///wgAAAAAAAAAAAAAAAAAAAAAAAAAAAAAAAAAAAAAeAAAAAEAAABAAAAAAAAAAAAAAABaAAAAAAAAAAAAAAAAAAAAAAAAAAAAAAAAAAAAAAAAAAAAAAAAAAAAAAAAAAAAAAAAAAAAAAAAAAAAAAAAAAAAAAAAAAAAAAAAAAAAFAAAADwAAAAAAAAAAAAAAAAAAAAPAAAAAQAAACMAAAAjAAAAIwAAAB4AAAAAAAAAZAAAAGQAAAAAAAAAZAAAAGQAAAAVAAAAYAAAAAAAAAAAAAAADwAAACADAAAAAAAAAAAAAAEAAACgMgAAVgcAAKr4//8BAAAAf39/AAEAAABkAAAAAAAAABQAAABAHwAAAAAAACYAAAAAAAAAwOD//wAAAAAmAAAAZAAAABYAAABMAAAAAAAAAAAAAAAEAAAAAAAAAAEAAADu7OEKAAAAACgAAAAoAAAAZAAAAGQAAAAAAAAAzMzMAAAAAABQAAAAUAAAAGQAAABkAAAAAAAAABcAAAAUAAAAAAAAAAAAAAD/fwAA/38AAAAAAAAJAAAABAAAAAAPTLoMAAAAEAAAAAAAAAAAAAAAAAAAAAAAAAAeAAAAaAAAAAAAAAAAAAAAAAAAAAAAAAAAAAAAECcAABAnAAAAAAAAAAAAAAAAAAAAAAAAAAAAAAAAAAAAAAAAAAAAABQAAAAAAAAAwMD/AAAAAABkAAAAMgAAAAAAAABkAAAAAAAAAH9/fwAKAAAAHwAAAFQAAAD///8A////AQAAAAAAAAAAAAAAAAAAAAAAAAAAAAAAAAAAAAAAAAAAAAAAAH9/fwDu7OEDzMzMAMDA/wB/f38AAAAAAAAAAAAAAAAAAAAAAAAAAAAhAAAAGAAAABQAAADIBQAAwBIAAHpIAAAwLQAAEAAAACYAAAAIAAAAAYAAAAAAAAA="/>
               </a:ext>
             </a:extLst>
           </p:cNvSpPr>
@@ -7157,7 +7743,7 @@
               <a:defRPr lang="de-de"/>
             </a:pPr>
             <a:r>
-              <a:rPr lang="en-us"/>
+              <a:rPr lang="en-us" dirty="0"/>
               <a:t>Introduction</a:t>
             </a:r>
           </a:p>
@@ -7167,6 +7753,7 @@
               <a:defRPr lang="en-us"/>
             </a:pPr>
             <a:r>
+              <a:rPr dirty="0"/>
               <a:t>Foundations</a:t>
             </a:r>
           </a:p>
@@ -7176,6 +7763,7 @@
               <a:defRPr lang="en-us"/>
             </a:pPr>
             <a:r>
+              <a:rPr dirty="0"/>
               <a:t>Related Work</a:t>
             </a:r>
           </a:p>
@@ -7185,6 +7773,7 @@
               <a:defRPr lang="en-us"/>
             </a:pPr>
             <a:r>
+              <a:rPr dirty="0"/>
               <a:t>Approach</a:t>
             </a:r>
           </a:p>
@@ -7194,16 +7783,28 @@
               <a:defRPr lang="en-us"/>
             </a:pPr>
             <a:r>
-              <a:t>Discussion</a:t>
-            </a:r>
+              <a:rPr lang="en-US" dirty="0"/>
+              <a:t>Demo</a:t>
+            </a:r>
+            <a:endParaRPr dirty="0"/>
           </a:p>
           <a:p>
             <a:pPr defTabSz="360045">
               <a:tabLst/>
-              <a:defRPr lang="de-de"/>
-            </a:pPr>
-            <a:r>
-              <a:rPr lang="en-us"/>
+              <a:defRPr lang="en-us"/>
+            </a:pPr>
+            <a:r>
+              <a:rPr dirty="0"/>
+              <a:t>Discussion</a:t>
+            </a:r>
+          </a:p>
+          <a:p>
+            <a:pPr defTabSz="360045">
+              <a:tabLst/>
+              <a:defRPr lang="de-de"/>
+            </a:pPr>
+            <a:r>
+              <a:rPr lang="en-us" dirty="0"/>
               <a:t>Conclusion</a:t>
             </a:r>
           </a:p>
@@ -7216,7 +7817,7 @@
             <a:spLocks noGrp="1" noChangeArrowheads="1"/>
             <a:extLst>
               <a:ext uri="smNativeData">
-                <pr:smNativeData xmlns:pr="smNativeData" xmlns:p14="http://schemas.microsoft.com/office/powerpoint/2010/main" xmlns="" val="SMDATA_13_eIVQYBMAAAAlAAAAZAAAAA0AAAAAAAAAAAAAAAAAAAAAAAAAAAAAAAAAAAAAAAAAAAEAAABQAAAAAAAAAAAA4D8AAAAAAADgPwAAAAAAAOA/AAAAAAAA4D8AAAAAAADgPwAAAAAAAOA/AAAAAAAA4D8AAAAAAADgPwAAAAAAAOA/AAAAAAAA4D8CAAAAjAAAAAAAAAAAAAAA////AP///wgAAAAAAAAAAAAAAAAAAAAAAAAAAAAAAAAAAAAAeAAAAAEAAABAAAAAAAAAAAAAAABaAAAAAAAAAAAAAAAAAAAAAAAAAAAAAAAAAAAAAAAAAAAAAAAAAAAAAAAAAAAAAAAAAAAAAAAAAAAAAAAAAAAAAAAAAAAAAAAAAAAAFAAAADwAAAAAAAAAAAAAAAAAAAAPAAAAAQAAACMAAAAjAAAAIwAAAB4AAAAAAAAAZAAAAGQAAAAAAAAAZAAAAGQAAAAVAAAAYAAAAAAAAAAAAAAADwAAACADAAAAAAAAAAAAAAEAAACgMgAAVgcAAKr4//8BAAAAf39/AAEAAABkAAAAAAAAABQAAABAHwAAAAAAACYAAAAAAAAAwOD//wAAAAAmAAAAZAAAABYAAABMAAAAAAAAAAAAAAAEAAAAAAAAAAEAAADu7OEKAAAAACgAAAAoAAAAZAAAAGQAAAAAAAAAzMzMAAAAAABQAAAAUAAAAGQAAABkAAAAAAAAABcAAAAUAAAAAAAAAAAAAAD/fwAA/38AAAAAAAAJAAAABAAAAOwEAAAMAAAAEAAAAAAAAAAAAAAAAAAAAAAAAAAeAAAAaAAAAAAAAAAAAAAAAAAAAAAAAAAAAAAAECcAABAnAAAAAAAAAAAAAAAAAAAAAAAAAAAAAAAAAAAAAAAAAAAAABQAAAAAAAAAwMD/AAAAAABkAAAAMgAAAAAAAABkAAAAAAAAAH9/fwAKAAAAHwAAAFQAAAD///8A////AQAAAAAAAAAAAAAAAAAAAAAAAAAAAAAAAAAAAAAAAAAAAAAAAH9/fwDu7OEDzMzMAMDA/wB/f38AAAAAAAAAAAAAAAAAAAAAAAAAAAAhAAAAGAAAABQAAADqAQAA4DgAAPAKAACYOgAAEAAAACYAAAAIAAAAAAAAAAAAAAA="/>
+                <pr:smNativeData xmlns="" xmlns:p14="http://schemas.microsoft.com/office/powerpoint/2010/main" xmlns:pr="smNativeData" val="SMDATA_13_eIVQYBMAAAAlAAAAZAAAAA0AAAAAAAAAAAAAAAAAAAAAAAAAAAAAAAAAAAAAAAAAAAEAAABQAAAAAAAAAAAA4D8AAAAAAADgPwAAAAAAAOA/AAAAAAAA4D8AAAAAAADgPwAAAAAAAOA/AAAAAAAA4D8AAAAAAADgPwAAAAAAAOA/AAAAAAAA4D8CAAAAjAAAAAAAAAAAAAAA////AP///wgAAAAAAAAAAAAAAAAAAAAAAAAAAAAAAAAAAAAAeAAAAAEAAABAAAAAAAAAAAAAAABaAAAAAAAAAAAAAAAAAAAAAAAAAAAAAAAAAAAAAAAAAAAAAAAAAAAAAAAAAAAAAAAAAAAAAAAAAAAAAAAAAAAAAAAAAAAAAAAAAAAAFAAAADwAAAAAAAAAAAAAAAAAAAAPAAAAAQAAACMAAAAjAAAAIwAAAB4AAAAAAAAAZAAAAGQAAAAAAAAAZAAAAGQAAAAVAAAAYAAAAAAAAAAAAAAADwAAACADAAAAAAAAAAAAAAEAAACgMgAAVgcAAKr4//8BAAAAf39/AAEAAABkAAAAAAAAABQAAABAHwAAAAAAACYAAAAAAAAAwOD//wAAAAAmAAAAZAAAABYAAABMAAAAAAAAAAAAAAAEAAAAAAAAAAEAAADu7OEKAAAAACgAAAAoAAAAZAAAAGQAAAAAAAAAzMzMAAAAAABQAAAAUAAAAGQAAABkAAAAAAAAABcAAAAUAAAAAAAAAAAAAAD/fwAA/38AAAAAAAAJAAAABAAAAOwEAAAMAAAAEAAAAAAAAAAAAAAAAAAAAAAAAAAeAAAAaAAAAAAAAAAAAAAAAAAAAAAAAAAAAAAAECcAABAnAAAAAAAAAAAAAAAAAAAAAAAAAAAAAAAAAAAAAAAAAAAAABQAAAAAAAAAwMD/AAAAAABkAAAAMgAAAAAAAABkAAAAAAAAAH9/fwAKAAAAHwAAAFQAAAD///8A////AQAAAAAAAAAAAAAAAAAAAAAAAAAAAAAAAAAAAAAAAAAAAAAAAH9/fwDu7OEDzMzMAMDA/wB/f38AAAAAAAAAAAAAAAAAAAAAAAAAAAAhAAAAGAAAABQAAADqAQAA4DgAAPAKAACYOgAAEAAAACYAAAAIAAAAAAAAAAAAAAA="/>
               </a:ext>
             </a:extLst>
           </p:cNvSpPr>
@@ -7245,7 +7846,7 @@
             <a:spLocks noGrp="1" noChangeArrowheads="1"/>
             <a:extLst>
               <a:ext uri="smNativeData">
-                <pr:smNativeData xmlns:pr="smNativeData" xmlns:p14="http://schemas.microsoft.com/office/powerpoint/2010/main" xmlns="" val="SMDATA_13_eIVQYBMAAAAlAAAAZAAAAA0AAAAAAAAAAAAAAAAAAAAAAAAAAAAAAAAAAAAAAAAAAAEAAABQAAAAAAAAAAAA4D8AAAAAAADgPwAAAAAAAOA/AAAAAAAA4D8AAAAAAADgPwAAAAAAAOA/AAAAAAAA4D8AAAAAAADgPwAAAAAAAOA/AAAAAAAA4D8CAAAAjAAAAAAAAAAAAAAA////AP///wgAAAAAAAAAAAAAAAAAAAAAAAAAAAAAAAAAAAAAeAAAAAEAAABAAAAAAAAAAAAAAABaAAAAAAAAAAAAAAAAAAAAAAAAAAAAAAAAAAAAAAAAAAAAAAAAAAAAAAAAAAAAAAAAAAAAAAAAAAAAAAAAAAAAAAAAAAAAAAAAAAAAFAAAADwAAAAAAAAAAAAAAAAAAAAPAAAAAQAAACMAAAAjAAAAIwAAAB4AAAAAAAAAZAAAAGQAAAAAAAAAZAAAAGQAAAAVAAAAYAAAAAAAAAAAAAAADwAAACADAAAAAAAAAAAAAAEAAACgMgAAVgcAAKr4//8BAAAAf39/AAEAAABkAAAAAAAAABQAAABAHwAAAAAAACYAAAAAAAAAwOD//wAAAAAmAAAAZAAAABYAAABMAAAAAAAAAAAAAAAEAAAAAAAAAAEAAADu7OEKAAAAACgAAAAoAAAAZAAAAGQAAAAAAAAAzMzMAAAAAABQAAAAUAAAAGQAAABkAAAAAAAAABcAAAAUAAAAAAAAAAAAAAD/fwAA/38AAAAAAAAJAAAABAAAAEAnAAAMAAAAEAAAAAAAAAAAAAAAAAAAAAAAAAAeAAAAaAAAAAAAAAAAAAAAAAAAAAAAAAAAAAAAECcAABAnAAAAAAAAAAAAAAAAAAAAAAAAAAAAAAAAAAAAAAAAAAAAABQAAAAAAAAAwMD/AAAAAABkAAAAMgAAAAAAAABkAAAAAAAAAH9/fwAKAAAAHwAAAFQAAAD///8A////AQAAAAAAAAAAAAAAAAAAAAAAAAAAAAAAAAAAAAAAAAAAAAAAAH9/fwDu7OEDzMzMAMDA/wB/f38AAAAAAAAAAAAAAAAAAAAAAAAAAAAhAAAAGAAAABQAAADQSAAAGDkAABZOAACYOgAAEAAAACYAAAAIAAAAAAAAAAAAAAA="/>
+                <pr:smNativeData xmlns="" xmlns:p14="http://schemas.microsoft.com/office/powerpoint/2010/main" xmlns:pr="smNativeData" val="SMDATA_13_eIVQYBMAAAAlAAAAZAAAAA0AAAAAAAAAAAAAAAAAAAAAAAAAAAAAAAAAAAAAAAAAAAEAAABQAAAAAAAAAAAA4D8AAAAAAADgPwAAAAAAAOA/AAAAAAAA4D8AAAAAAADgPwAAAAAAAOA/AAAAAAAA4D8AAAAAAADgPwAAAAAAAOA/AAAAAAAA4D8CAAAAjAAAAAAAAAAAAAAA////AP///wgAAAAAAAAAAAAAAAAAAAAAAAAAAAAAAAAAAAAAeAAAAAEAAABAAAAAAAAAAAAAAABaAAAAAAAAAAAAAAAAAAAAAAAAAAAAAAAAAAAAAAAAAAAAAAAAAAAAAAAAAAAAAAAAAAAAAAAAAAAAAAAAAAAAAAAAAAAAAAAAAAAAFAAAADwAAAAAAAAAAAAAAAAAAAAPAAAAAQAAACMAAAAjAAAAIwAAAB4AAAAAAAAAZAAAAGQAAAAAAAAAZAAAAGQAAAAVAAAAYAAAAAAAAAAAAAAADwAAACADAAAAAAAAAAAAAAEAAACgMgAAVgcAAKr4//8BAAAAf39/AAEAAABkAAAAAAAAABQAAABAHwAAAAAAACYAAAAAAAAAwOD//wAAAAAmAAAAZAAAABYAAABMAAAAAAAAAAAAAAAEAAAAAAAAAAEAAADu7OEKAAAAACgAAAAoAAAAZAAAAGQAAAAAAAAAzMzMAAAAAABQAAAAUAAAAGQAAABkAAAAAAAAABcAAAAUAAAAAAAAAAAAAAD/fwAA/38AAAAAAAAJAAAABAAAAEAnAAAMAAAAEAAAAAAAAAAAAAAAAAAAAAAAAAAeAAAAaAAAAAAAAAAAAAAAAAAAAAAAAAAAAAAAECcAABAnAAAAAAAAAAAAAAAAAAAAAAAAAAAAAAAAAAAAAAAAAAAAABQAAAAAAAAAwMD/AAAAAABkAAAAMgAAAAAAAABkAAAAAAAAAH9/fwAKAAAAHwAAAFQAAAD///8A////AQAAAAAAAAAAAAAAAAAAAAAAAAAAAAAAAAAAAAAAAAAAAAAAAH9/fwDu7OEDzMzMAMDA/wB/f38AAAAAAAAAAAAAAAAAAAAAAAAAAAAhAAAAGAAAABQAAADQSAAAGDkAABZOAACYOgAAEAAAACYAAAAIAAAAAAAAAAAAAAA="/>
               </a:ext>
             </a:extLst>
           </p:cNvSpPr>
@@ -7273,18 +7874,18 @@
   <p:clrMapOvr>
     <a:masterClrMapping/>
   </p:clrMapOvr>
-  <mc:AlternateContent xmlns:mc="http://schemas.openxmlformats.org/markup-compatibility/2006">
-    <mc:Choice xmlns:p14="http://schemas.microsoft.com/office/powerpoint/2010/main" Requires="p14">
+  <mc:AlternateContent xmlns:mc="http://schemas.openxmlformats.org/markup-compatibility/2006" xmlns:p14="http://schemas.microsoft.com/office/powerpoint/2010/main">
+    <mc:Choice Requires="p14">
       <p:transition spd="slow" p14:dur="1800">
         <p:fade/>
         <p:extLst>
           <p:ext uri="smNativeData">
-            <pr:smNativeData xmlns:pr="smNativeData" xmlns="" val="eIVQYAAAAAAIBwAAAAAAAAYAAAAAAAAAAAAAAAAAAAAAAAAAAQAAAAAAAAAAAAAAAAAAAAAAAAAAAAAA"/>
+            <pr:smNativeData xmlns="" xmlns:pr="smNativeData" val="eIVQYAAAAAAIBwAAAAAAAAYAAAAAAAAAAAAAAAAAAAAAAAAAAQAAAAAAAAAAAAAAAAAAAAAAAAAAAAAA"/>
           </p:ext>
         </p:extLst>
       </p:transition>
     </mc:Choice>
-    <mc:Fallback>
+    <mc:Fallback xmlns="">
       <p:transition spd="slow">
         <p:fade/>
         <p:extLst>
@@ -7322,7 +7923,7 @@
             <a:spLocks noGrp="1" noChangeArrowheads="1"/>
             <a:extLst>
               <a:ext uri="smNativeData">
-                <pr:smNativeData xmlns:pr="smNativeData" xmlns:p14="http://schemas.microsoft.com/office/powerpoint/2010/main" xmlns="" val="SMDATA_13_eIVQYBMAAAAlAAAAZAAAAA0AAAAAAAAAAAAAAAAAAAAAAAAAAAAAAAAAAAAAAAAAAAEAAABQAAAAAAAAAAAA4D8AAAAAAADgPwAAAAAAAOA/AAAAAAAA4D8AAAAAAADgPwAAAAAAAOA/AAAAAAAA4D8AAAAAAADgPwAAAAAAAOA/AAAAAAAA4D8CAAAAjAAAAAAAAAAAAAAA////AP///wgAAAAAAAAAAAAAAAAAAAAAAAAAAAAAAAAAAAAAeAAAAAEAAABAAAAAAAAAAAAAAABaAAAAAAAAAAAAAAAAAAAAAAAAAAAAAAAAAAAAAAAAAAAAAAAAAAAAAAAAAAAAAAAAAAAAAAAAAAAAAAAAAAAAAAAAAAAAAAAAAAAAFAAAADwAAAAAAAAAAAAAAAAAAAAPAAAAAQAAACMAAAAjAAAAIwAAAB4AAAAAAAAAZAAAAGQAAAAAAAAAZAAAAGQAAAAVAAAAYAAAAAAAAAAAAAAADwAAACADAAAAAAAAAAAAAAEAAACgMgAAVgcAAKr4//8BAAAAf39/AAEAAABkAAAAAAAAABQAAABAHwAAAAAAACYAAAAAAAAAwOD//wAAAAAmAAAAZAAAABYAAABMAAAAAAAAAAAAAAAEAAAAAAAAAAEAAADu7OEKAAAAACgAAAAoAAAAZAAAAGQAAAAAAAAAzMzMAAAAAABQAAAAUAAAAGQAAABkAAAAAAAAABcAAAAUAAAAAAAAAAAAAAD/fwAA/38AAAAAAAAJAAAABAAAAAAAAQAMAAAAEAAAAAAAAAAAAAAAAAAAAAAAAAAeAAAAaAAAAAAAAAAAAAAAAAAAAAAAAAAAAAAAECcAABAnAAAAAAAAAAAAAAAAAAAAAAAAAAAAAAAAAAAAAAAAAAAAABQAAAAAAAAAwMD/AAAAAABkAAAAMgAAAAAAAABkAAAAAAAAAH9/fwAKAAAAHwAAAFQAAAD///8A////AQAAAAAAAAAAAAAAAAAAAAAAAAAAAAAAAAAAAAAAAAAAAAAAAH9/fwDu7OEDzMzMAMDA/wB/f38AAAAAAAAAAAAAAAAAAAAAAAAAAAAhAAAAGAAAABQAAADIBQAAiQsAAHpIAACzDwAAEAAAACYAAAAIAAAAAAAAAAAAAAA="/>
+                <pr:smNativeData xmlns="" xmlns:p14="http://schemas.microsoft.com/office/powerpoint/2010/main" xmlns:pr="smNativeData" val="SMDATA_13_eIVQYBMAAAAlAAAAZAAAAA0AAAAAAAAAAAAAAAAAAAAAAAAAAAAAAAAAAAAAAAAAAAEAAABQAAAAAAAAAAAA4D8AAAAAAADgPwAAAAAAAOA/AAAAAAAA4D8AAAAAAADgPwAAAAAAAOA/AAAAAAAA4D8AAAAAAADgPwAAAAAAAOA/AAAAAAAA4D8CAAAAjAAAAAAAAAAAAAAA////AP///wgAAAAAAAAAAAAAAAAAAAAAAAAAAAAAAAAAAAAAeAAAAAEAAABAAAAAAAAAAAAAAABaAAAAAAAAAAAAAAAAAAAAAAAAAAAAAAAAAAAAAAAAAAAAAAAAAAAAAAAAAAAAAAAAAAAAAAAAAAAAAAAAAAAAAAAAAAAAAAAAAAAAFAAAADwAAAAAAAAAAAAAAAAAAAAPAAAAAQAAACMAAAAjAAAAIwAAAB4AAAAAAAAAZAAAAGQAAAAAAAAAZAAAAGQAAAAVAAAAYAAAAAAAAAAAAAAADwAAACADAAAAAAAAAAAAAAEAAACgMgAAVgcAAKr4//8BAAAAf39/AAEAAABkAAAAAAAAABQAAABAHwAAAAAAACYAAAAAAAAAwOD//wAAAAAmAAAAZAAAABYAAABMAAAAAAAAAAAAAAAEAAAAAAAAAAEAAADu7OEKAAAAACgAAAAoAAAAZAAAAGQAAAAAAAAAzMzMAAAAAABQAAAAUAAAAGQAAABkAAAAAAAAABcAAAAUAAAAAAAAAAAAAAD/fwAA/38AAAAAAAAJAAAABAAAAAAAAQAMAAAAEAAAAAAAAAAAAAAAAAAAAAAAAAAeAAAAaAAAAAAAAAAAAAAAAAAAAAAAAAAAAAAAECcAABAnAAAAAAAAAAAAAAAAAAAAAAAAAAAAAAAAAAAAAAAAAAAAABQAAAAAAAAAwMD/AAAAAABkAAAAMgAAAAAAAABkAAAAAAAAAH9/fwAKAAAAHwAAAFQAAAD///8A////AQAAAAAAAAAAAAAAAAAAAAAAAAAAAAAAAAAAAAAAAAAAAAAAAH9/fwDu7OEDzMzMAMDA/wB/f38AAAAAAAAAAAAAAAAAAAAAAAAAAAAhAAAAGAAAABQAAADIBQAAiQsAAHpIAACzDwAAEAAAACYAAAAIAAAAAAAAAAAAAAA="/>
               </a:ext>
             </a:extLst>
           </p:cNvSpPr>
@@ -7353,7 +7954,7 @@
             <a:spLocks noGrp="1" noChangeArrowheads="1"/>
             <a:extLst>
               <a:ext uri="smNativeData">
-                <pr:smNativeData xmlns:pr="smNativeData" xmlns:p14="http://schemas.microsoft.com/office/powerpoint/2010/main" xmlns="" val="SMDATA_13_eIVQYBMAAAAlAAAAZAAAAA0AAAAAAAAAAAAAAAAAAAAAAAAAAAAAAAAAAAAAAAAAAAEAAABQAAAAAAAAAAAA4D8AAAAAAADgPwAAAAAAAOA/AAAAAAAA4D8AAAAAAADgPwAAAAAAAOA/AAAAAAAA4D8AAAAAAADgPwAAAAAAAOA/AAAAAAAA4D8CAAAAjAAAAAAAAAAAAAAA////AP///wgAAAAAAAAAAAAAAAAAAAAAAAAAAAAAAAAAAAAAeAAAAAEAAABAAAAAAAAAAAAAAABaAAAAAAAAAAAAAAAAAAAAAAAAAAAAAAAAAAAAAAAAAAAAAAAAAAAAAAAAAAAAAAAAAAAAAAAAAAAAAAAAAAAAAAAAAAAAAAAAAAAAFAAAADwAAAAAAAAAAAAAAAAAAAAPAAAAAQAAACMAAAAjAAAAIwAAAB4AAAAAAAAAZAAAAGQAAAAAAAAAZAAAAGQAAAAVAAAAYAAAAAAAAAAAAAAADwAAACADAAAAAAAAAAAAAAEAAACgMgAAVgcAAKr4//8BAAAAf39/AAEAAABkAAAAAAAAABQAAABAHwAAAAAAACYAAAAAAAAAwOD//wAAAAAmAAAAZAAAABYAAABMAAAAAAAAAAAAAAAEAAAAAAAAAAEAAADu7OEKAAAAACgAAAAoAAAAZAAAAGQAAAAAAAAAzMzMAAAAAABQAAAAUAAAAGQAAABkAAAAAAAAABcAAAAUAAAAAAAAAAAAAAD/fwAA/38AAAAAAAAJAAAABAAAAAAAAAAMAAAAEAAAAAAAAAAAAAAAAAAAAAAAAAAeAAAAaAAAAAAAAAAAAAAAAAAAAAAAAAAAAAAAECcAABAnAAAAAAAAAAAAAAAAAAAAAAAAAAAAAAAAAAAAAAAAAAAAABQAAAAAAAAAwMD/AAAAAABkAAAAMgAAAAAAAABkAAAAAAAAAH9/fwAKAAAAHwAAAFQAAAD///8A////AQAAAAAAAAAAAAAAAAAAAAAAAAAAAAAAAAAAAAAAAAAAAAAAAH9/fwDu7OEDzMzMAMDA/wB/f38AAAAAAAAAAAAAAAAAAAAAAAAAAAAhAAAAGAAAABQAAADIBQAAwBIAAHpIAAD/MAAAEAAAACYAAAAIAAAAAYAAAAAAAAA="/>
+                <pr:smNativeData xmlns="" xmlns:p14="http://schemas.microsoft.com/office/powerpoint/2010/main" xmlns:pr="smNativeData" val="SMDATA_13_eIVQYBMAAAAlAAAAZAAAAA0AAAAAAAAAAAAAAAAAAAAAAAAAAAAAAAAAAAAAAAAAAAEAAABQAAAAAAAAAAAA4D8AAAAAAADgPwAAAAAAAOA/AAAAAAAA4D8AAAAAAADgPwAAAAAAAOA/AAAAAAAA4D8AAAAAAADgPwAAAAAAAOA/AAAAAAAA4D8CAAAAjAAAAAAAAAAAAAAA////AP///wgAAAAAAAAAAAAAAAAAAAAAAAAAAAAAAAAAAAAAeAAAAAEAAABAAAAAAAAAAAAAAABaAAAAAAAAAAAAAAAAAAAAAAAAAAAAAAAAAAAAAAAAAAAAAAAAAAAAAAAAAAAAAAAAAAAAAAAAAAAAAAAAAAAAAAAAAAAAAAAAAAAAFAAAADwAAAAAAAAAAAAAAAAAAAAPAAAAAQAAACMAAAAjAAAAIwAAAB4AAAAAAAAAZAAAAGQAAAAAAAAAZAAAAGQAAAAVAAAAYAAAAAAAAAAAAAAADwAAACADAAAAAAAAAAAAAAEAAACgMgAAVgcAAKr4//8BAAAAf39/AAEAAABkAAAAAAAAABQAAABAHwAAAAAAACYAAAAAAAAAwOD//wAAAAAmAAAAZAAAABYAAABMAAAAAAAAAAAAAAAEAAAAAAAAAAEAAADu7OEKAAAAACgAAAAoAAAAZAAAAGQAAAAAAAAAzMzMAAAAAABQAAAAUAAAAGQAAABkAAAAAAAAABcAAAAUAAAAAAAAAAAAAAD/fwAA/38AAAAAAAAJAAAABAAAAAAAAAAMAAAAEAAAAAAAAAAAAAAAAAAAAAAAAAAeAAAAaAAAAAAAAAAAAAAAAAAAAAAAAAAAAAAAECcAABAnAAAAAAAAAAAAAAAAAAAAAAAAAAAAAAAAAAAAAAAAAAAAABQAAAAAAAAAwMD/AAAAAABkAAAAMgAAAAAAAABkAAAAAAAAAH9/fwAKAAAAHwAAAFQAAAD///8A////AQAAAAAAAAAAAAAAAAAAAAAAAAAAAAAAAAAAAAAAAAAAAAAAAH9/fwDu7OEDzMzMAMDA/wB/f38AAAAAAAAAAAAAAAAAAAAAAAAAAAAhAAAAGAAAABQAAADIBQAAwBIAAHpIAAD/MAAAEAAAACYAAAAIAAAAAYAAAAAAAAA="/>
               </a:ext>
             </a:extLst>
           </p:cNvSpPr>
@@ -7516,7 +8117,7 @@
             <a:spLocks noGrp="1" noChangeArrowheads="1"/>
             <a:extLst>
               <a:ext uri="smNativeData">
-                <pr:smNativeData xmlns:pr="smNativeData" xmlns:p14="http://schemas.microsoft.com/office/powerpoint/2010/main" xmlns="" val="SMDATA_13_eIVQYBMAAAAlAAAAZAAAAA0AAAAAAAAAAAAAAAAAAAAAAAAAAAAAAAAAAAAAAAAAAAEAAABQAAAAAAAAAAAA4D8AAAAAAADgPwAAAAAAAOA/AAAAAAAA4D8AAAAAAADgPwAAAAAAAOA/AAAAAAAA4D8AAAAAAADgPwAAAAAAAOA/AAAAAAAA4D8CAAAAjAAAAAAAAAAAAAAA////AP///wgAAAAAAAAAAAAAAAAAAAAAAAAAAAAAAAAAAAAAeAAAAAEAAABAAAAAAAAAAAAAAABaAAAAAAAAAAAAAAAAAAAAAAAAAAAAAAAAAAAAAAAAAAAAAAAAAAAAAAAAAAAAAAAAAAAAAAAAAAAAAAAAAAAAAAAAAAAAAAAAAAAAFAAAADwAAAAAAAAAAAAAAAAAAAAPAAAAAQAAACMAAAAjAAAAIwAAAB4AAAAAAAAAZAAAAGQAAAAAAAAAZAAAAGQAAAAVAAAAYAAAAAAAAAAAAAAADwAAACADAAAAAAAAAAAAAAEAAACgMgAAVgcAAKr4//8BAAAAf39/AAEAAABkAAAAAAAAABQAAABAHwAAAAAAACYAAAAAAAAAwOD//wAAAAAmAAAAZAAAABYAAABMAAAAAAAAAAAAAAAEAAAAAAAAAAEAAADu7OEKAAAAACgAAAAoAAAAZAAAAGQAAAAAAAAAzMzMAAAAAABQAAAAUAAAAGQAAABkAAAAAAAAABcAAAAUAAAAAAAAAAAAAAD/fwAA/38AAAAAAAAJAAAABAAAACEcAAAMAAAAEAAAAAAAAAAAAAAAAAAAAAAAAAAeAAAAaAAAAAAAAAAAAAAAAAAAAAAAAAAAAAAAECcAABAnAAAAAAAAAAAAAAAAAAAAAAAAAAAAAAAAAAAAAAAAAAAAABQAAAAAAAAAwMD/AAAAAABkAAAAMgAAAAAAAABkAAAAAAAAAH9/fwAKAAAAHwAAAFQAAAD///8A////AQAAAAAAAAAAAAAAAAAAAAAAAAAAAAAAAAAAAAAAAAAAAAAAAH9/fwDu7OEDzMzMAMDA/wB/f38AAAAAAAAAAAAAAAAAAAAAAAAAAAAhAAAAGAAAABQAAADqAQAA4DgAAPAKAACYOgAAEAAAACYAAAAIAAAAAAAAAAAAAAA="/>
+                <pr:smNativeData xmlns="" xmlns:p14="http://schemas.microsoft.com/office/powerpoint/2010/main" xmlns:pr="smNativeData" val="SMDATA_13_eIVQYBMAAAAlAAAAZAAAAA0AAAAAAAAAAAAAAAAAAAAAAAAAAAAAAAAAAAAAAAAAAAEAAABQAAAAAAAAAAAA4D8AAAAAAADgPwAAAAAAAOA/AAAAAAAA4D8AAAAAAADgPwAAAAAAAOA/AAAAAAAA4D8AAAAAAADgPwAAAAAAAOA/AAAAAAAA4D8CAAAAjAAAAAAAAAAAAAAA////AP///wgAAAAAAAAAAAAAAAAAAAAAAAAAAAAAAAAAAAAAeAAAAAEAAABAAAAAAAAAAAAAAABaAAAAAAAAAAAAAAAAAAAAAAAAAAAAAAAAAAAAAAAAAAAAAAAAAAAAAAAAAAAAAAAAAAAAAAAAAAAAAAAAAAAAAAAAAAAAAAAAAAAAFAAAADwAAAAAAAAAAAAAAAAAAAAPAAAAAQAAACMAAAAjAAAAIwAAAB4AAAAAAAAAZAAAAGQAAAAAAAAAZAAAAGQAAAAVAAAAYAAAAAAAAAAAAAAADwAAACADAAAAAAAAAAAAAAEAAACgMgAAVgcAAKr4//8BAAAAf39/AAEAAABkAAAAAAAAABQAAABAHwAAAAAAACYAAAAAAAAAwOD//wAAAAAmAAAAZAAAABYAAABMAAAAAAAAAAAAAAAEAAAAAAAAAAEAAADu7OEKAAAAACgAAAAoAAAAZAAAAGQAAAAAAAAAzMzMAAAAAABQAAAAUAAAAGQAAABkAAAAAAAAABcAAAAUAAAAAAAAAAAAAAD/fwAA/38AAAAAAAAJAAAABAAAACEcAAAMAAAAEAAAAAAAAAAAAAAAAAAAAAAAAAAeAAAAaAAAAAAAAAAAAAAAAAAAAAAAAAAAAAAAECcAABAnAAAAAAAAAAAAAAAAAAAAAAAAAAAAAAAAAAAAAAAAAAAAABQAAAAAAAAAwMD/AAAAAABkAAAAMgAAAAAAAABkAAAAAAAAAH9/fwAKAAAAHwAAAFQAAAD///8A////AQAAAAAAAAAAAAAAAAAAAAAAAAAAAAAAAAAAAAAAAAAAAAAAAH9/fwDu7OEDzMzMAMDA/wB/f38AAAAAAAAAAAAAAAAAAAAAAAAAAAAhAAAAGAAAABQAAADqAQAA4DgAAPAKAACYOgAAEAAAACYAAAAIAAAAAAAAAAAAAAA="/>
               </a:ext>
             </a:extLst>
           </p:cNvSpPr>
@@ -7546,7 +8147,7 @@
             <a:spLocks noGrp="1" noChangeArrowheads="1"/>
             <a:extLst>
               <a:ext uri="smNativeData">
-                <pr:smNativeData xmlns:pr="smNativeData" xmlns:p14="http://schemas.microsoft.com/office/powerpoint/2010/main" xmlns="" val="SMDATA_13_eIVQYBMAAAAlAAAAZAAAAA0AAAAAAAAAAAAAAAAAAAAAAAAAAAAAAAAAAAAAAAAAAAEAAABQAAAAAAAAAAAA4D8AAAAAAADgPwAAAAAAAOA/AAAAAAAA4D8AAAAAAADgPwAAAAAAAOA/AAAAAAAA4D8AAAAAAADgPwAAAAAAAOA/AAAAAAAA4D8CAAAAjAAAAAAAAAAAAAAA////AP///wgAAAAAAAAAAAAAAAAAAAAAAAAAAAAAAAAAAAAAeAAAAAEAAABAAAAAAAAAAAAAAABaAAAAAAAAAAAAAAAAAAAAAAAAAAAAAAAAAAAAAAAAAAAAAAAAAAAAAAAAAAAAAAAAAAAAAAAAAAAAAAAAAAAAAAAAAAAAAAAAAAAAFAAAADwAAAAAAAAAAAAAAAAAAAAPAAAAAQAAACMAAAAjAAAAIwAAAB4AAAAAAAAAZAAAAGQAAAAAAAAAZAAAAGQAAAAVAAAAYAAAAAAAAAAAAAAADwAAACADAAAAAAAAAAAAAAEAAACgMgAAVgcAAKr4//8BAAAAf39/AAEAAABkAAAAAAAAABQAAABAHwAAAAAAACYAAAAAAAAAwOD//wAAAAAmAAAAZAAAABYAAABMAAAAAAAAAAAAAAAEAAAAAAAAAAEAAADu7OEKAAAAACgAAAAoAAAAZAAAAGQAAAAAAAAAzMzMAAAAAABQAAAAUAAAAGQAAABkAAAAAAAAABcAAAAUAAAAAAAAAAAAAAD/fwAA/38AAAAAAAAJAAAABAAAAAAAAAAMAAAAEAAAAAAAAAAAAAAAAAAAAAAAAAAeAAAAaAAAAAAAAAAAAAAAAAAAAAAAAAAAAAAAECcAABAnAAAAAAAAAAAAAAAAAAAAAAAAAAAAAAAAAAAAAAAAAAAAABQAAAAAAAAAwMD/AAAAAABkAAAAMgAAAAAAAABkAAAAAAAAAH9/fwAKAAAAHwAAAFQAAAD///8A////AQAAAAAAAAAAAAAAAAAAAAAAAAAAAAAAAAAAAAAAAAAAAAAAAH9/fwDu7OEDzMzMAMDA/wB/f38AAAAAAAAAAAAAAAAAAAAAAAAAAAAhAAAAGAAAABQAAADQSAAAGDkAABZOAACYOgAAEAAAACYAAAAIAAAAAAAAAAAAAAA="/>
+                <pr:smNativeData xmlns="" xmlns:p14="http://schemas.microsoft.com/office/powerpoint/2010/main" xmlns:pr="smNativeData" val="SMDATA_13_eIVQYBMAAAAlAAAAZAAAAA0AAAAAAAAAAAAAAAAAAAAAAAAAAAAAAAAAAAAAAAAAAAEAAABQAAAAAAAAAAAA4D8AAAAAAADgPwAAAAAAAOA/AAAAAAAA4D8AAAAAAADgPwAAAAAAAOA/AAAAAAAA4D8AAAAAAADgPwAAAAAAAOA/AAAAAAAA4D8CAAAAjAAAAAAAAAAAAAAA////AP///wgAAAAAAAAAAAAAAAAAAAAAAAAAAAAAAAAAAAAAeAAAAAEAAABAAAAAAAAAAAAAAABaAAAAAAAAAAAAAAAAAAAAAAAAAAAAAAAAAAAAAAAAAAAAAAAAAAAAAAAAAAAAAAAAAAAAAAAAAAAAAAAAAAAAAAAAAAAAAAAAAAAAFAAAADwAAAAAAAAAAAAAAAAAAAAPAAAAAQAAACMAAAAjAAAAIwAAAB4AAAAAAAAAZAAAAGQAAAAAAAAAZAAAAGQAAAAVAAAAYAAAAAAAAAAAAAAADwAAACADAAAAAAAAAAAAAAEAAACgMgAAVgcAAKr4//8BAAAAf39/AAEAAABkAAAAAAAAABQAAABAHwAAAAAAACYAAAAAAAAAwOD//wAAAAAmAAAAZAAAABYAAABMAAAAAAAAAAAAAAAEAAAAAAAAAAEAAADu7OEKAAAAACgAAAAoAAAAZAAAAGQAAAAAAAAAzMzMAAAAAABQAAAAUAAAAGQAAABkAAAAAAAAABcAAAAUAAAAAAAAAAAAAAD/fwAA/38AAAAAAAAJAAAABAAAAAAAAAAMAAAAEAAAAAAAAAAAAAAAAAAAAAAAAAAeAAAAaAAAAAAAAAAAAAAAAAAAAAAAAAAAAAAAECcAABAnAAAAAAAAAAAAAAAAAAAAAAAAAAAAAAAAAAAAAAAAAAAAABQAAAAAAAAAwMD/AAAAAABkAAAAMgAAAAAAAABkAAAAAAAAAH9/fwAKAAAAHwAAAFQAAAD///8A////AQAAAAAAAAAAAAAAAAAAAAAAAAAAAAAAAAAAAAAAAAAAAAAAAH9/fwDu7OEDzMzMAMDA/wB/f38AAAAAAAAAAAAAAAAAAAAAAAAAAAAhAAAAGAAAABQAAADQSAAAGDkAABZOAACYOgAAEAAAACYAAAAIAAAAAAAAAAAAAAA="/>
               </a:ext>
             </a:extLst>
           </p:cNvSpPr>
@@ -7577,7 +8178,7 @@
             <a:spLocks noGrp="1" noChangeArrowheads="1"/>
             <a:extLst>
               <a:ext uri="smNativeData">
-                <pr:smNativeData xmlns:pr="smNativeData" xmlns:p14="http://schemas.microsoft.com/office/powerpoint/2010/main" xmlns="" val="SMDATA_13_eIVQYBMAAAAlAAAAZAAAAA0AAAAAAAAAAAAAAAAAAAAAAAAAAAAAAAAAAAAAAAAAAAEAAABQAAAAAAAAAAAA4D8AAAAAAADgPwAAAAAAAOA/AAAAAAAA4D8AAAAAAADgPwAAAAAAAOA/AAAAAAAA4D8AAAAAAADgPwAAAAAAAOA/AAAAAAAA4D8CAAAAjAAAAAAAAAAAAAAA////AP///wgAAAAAAAAAAAAAAAAAAAAAAAAAAAAAAAAAAAAAeAAAAAEAAABAAAAAAAAAAAAAAABaAAAAAAAAAAAAAAAAAAAAAAAAAAAAAAAAAAAAAAAAAAAAAAAAAAAAAAAAAAAAAAAAAAAAAAAAAAAAAAAAAAAAAAAAAAAAAAAAAAAAFAAAADwAAAAAAAAAAAAAAAAAAAAPAAAAAQAAACMAAAAjAAAAIwAAAB4AAAAAAAAAZAAAAGQAAAAAAAAAZAAAAGQAAAAVAAAAYAAAAAAAAAAAAAAADwAAACADAAAAAAAAAAAAAAEAAACgMgAAVgcAAKr4//8BAAAAf39/AAEAAABkAAAAAAAAABQAAABAHwAAAAAAACYAAAAAAAAAwOD//wAAAAAmAAAAZAAAABYAAABMAAAAAAAAAAAAAAAEAAAAAAAAAAEAAADu7OEKAAAAACgAAAAoAAAAZAAAAGQAAAAAAAAAzMzMAAAAAABQAAAAUAAAAGQAAABkAAAAAAAAABcAAAAUAAAAAAAAAAAAAAD/fwAA/38AAAAAAAAJAAAABAAAAAQEAAAMAAAAEAAAAAAAAAAAAAAAAAAAAAAAAAAeAAAAaAAAAAAAAAAAAAAAAAAAAAAAAAAAAAAAECcAABAnAAAAAAAAAAAAAAAAAAAAAAAAAAAAAAAAAAAAAAAAAAAAABQAAAAAAAAAwMD/AAAAAABkAAAAMgAAAAAAAABkAAAAAAAAAH9/fwAKAAAAHwAAAFQAAAD///8A////AQAAAAAAAAAAAAAAAAAAAAAAAAAAAAAAAAAAAAAAAAAAAAAAAH9/fwDu7OEDzMzMAMDA/wB/f38AAAAAAAAAAAAAAAAAAAAAAAAAAAAhAAAAGAAAABQAAADIBQAAXTYAAMcoAACANwAAEAAAACYAAAAIAAAAAAAAAAAAAAA="/>
+                <pr:smNativeData xmlns="" xmlns:p14="http://schemas.microsoft.com/office/powerpoint/2010/main" xmlns:pr="smNativeData" val="SMDATA_13_eIVQYBMAAAAlAAAAZAAAAA0AAAAAAAAAAAAAAAAAAAAAAAAAAAAAAAAAAAAAAAAAAAEAAABQAAAAAAAAAAAA4D8AAAAAAADgPwAAAAAAAOA/AAAAAAAA4D8AAAAAAADgPwAAAAAAAOA/AAAAAAAA4D8AAAAAAADgPwAAAAAAAOA/AAAAAAAA4D8CAAAAjAAAAAAAAAAAAAAA////AP///wgAAAAAAAAAAAAAAAAAAAAAAAAAAAAAAAAAAAAAeAAAAAEAAABAAAAAAAAAAAAAAABaAAAAAAAAAAAAAAAAAAAAAAAAAAAAAAAAAAAAAAAAAAAAAAAAAAAAAAAAAAAAAAAAAAAAAAAAAAAAAAAAAAAAAAAAAAAAAAAAAAAAFAAAADwAAAAAAAAAAAAAAAAAAAAPAAAAAQAAACMAAAAjAAAAIwAAAB4AAAAAAAAAZAAAAGQAAAAAAAAAZAAAAGQAAAAVAAAAYAAAAAAAAAAAAAAADwAAACADAAAAAAAAAAAAAAEAAACgMgAAVgcAAKr4//8BAAAAf39/AAEAAABkAAAAAAAAABQAAABAHwAAAAAAACYAAAAAAAAAwOD//wAAAAAmAAAAZAAAABYAAABMAAAAAAAAAAAAAAAEAAAAAAAAAAEAAADu7OEKAAAAACgAAAAoAAAAZAAAAGQAAAAAAAAAzMzMAAAAAABQAAAAUAAAAGQAAABkAAAAAAAAABcAAAAUAAAAAAAAAAAAAAD/fwAA/38AAAAAAAAJAAAABAAAAAQEAAAMAAAAEAAAAAAAAAAAAAAAAAAAAAAAAAAeAAAAaAAAAAAAAAAAAAAAAAAAAAAAAAAAAAAAECcAABAnAAAAAAAAAAAAAAAAAAAAAAAAAAAAAAAAAAAAAAAAAAAAABQAAAAAAAAAwMD/AAAAAABkAAAAMgAAAAAAAABkAAAAAAAAAH9/fwAKAAAAHwAAAFQAAAD///8A////AQAAAAAAAAAAAAAAAAAAAAAAAAAAAAAAAAAAAAAAAAAAAAAAAH9/fwDu7OEDzMzMAMDA/wB/f38AAAAAAAAAAAAAAAAAAAAAAAAAAAAhAAAAGAAAABQAAADIBQAAXTYAAMcoAACANwAAEAAAACYAAAAIAAAAAAAAAAAAAAA="/>
               </a:ext>
             </a:extLst>
           </p:cNvSpPr>
@@ -7629,7 +8230,7 @@
             <a:spLocks noGrp="1" noChangeArrowheads="1"/>
             <a:extLst>
               <a:ext uri="smNativeData">
-                <pr:smNativeData xmlns:pr="smNativeData" xmlns:p14="http://schemas.microsoft.com/office/powerpoint/2010/main" xmlns="" val="SMDATA_13_eIVQYBMAAAAlAAAAZAAAAA0AAAAAAAAAAAAAAAAAAAAAAAAAAAAAAAAAAAAAAAAAAAEAAABQAAAAAAAAAAAA4D8AAAAAAADgPwAAAAAAAOA/AAAAAAAA4D8AAAAAAADgPwAAAAAAAOA/AAAAAAAA4D8AAAAAAADgPwAAAAAAAOA/AAAAAAAA4D8CAAAAjAAAAAAAAAAAAAAA////AP///wgAAAAAAAAAAAAAAAAAAAAAAAAAAAAAAAAAAAAAeAAAAAEAAABAAAAAAAAAAAAAAABaAAAAAAAAAAAAAAAAAAAAAAAAAAAAAAAAAAAAAAAAAAAAAAAAAAAAAAAAAAAAAAAAAAAAAAAAAAAAAAAAAAAAAAAAAAAAAAAAAAAAFAAAADwAAAAAAAAAAAAAAAAAAAAPAAAAAQAAACMAAAAjAAAAIwAAAB4AAAAAAAAAZAAAAGQAAAAAAAAAZAAAAGQAAAAVAAAAYAAAAAAAAAAAAAAADwAAACADAAAAAAAAAAAAAAEAAACgMgAAVgcAAKr4//8BAAAAf39/AAEAAABkAAAAAAAAABQAAABAHwAAAAAAACYAAAAAAAAAwOD//wAAAAAmAAAAZAAAABYAAABMAAAAAAAAAAAAAAAEAAAAAAAAAAEAAADu7OEKAAAAACgAAAAoAAAAZAAAAGQAAAAAAAAAzMzMAAAAAABQAAAAUAAAAGQAAABkAAAAAAAAABcAAAAUAAAAAAAAAAAAAAD/fwAA/38AAAAAAAAJAAAABAAAAAAAAAAMAAAAEAAAAAAAAAAAAAAAAAAAAAAAAAAeAAAAaAAAAAAAAAAAAAAAAAAAAAAAAAAAAAAAECcAABAnAAAAAAAAAAAAAAAAAAAAAAAAAAAAAAAAAAAAAAAAAAAAABQAAAAAAAAAwMD/AAAAAABkAAAAMgAAAAAAAABkAAAAAAAAAH9/fwAKAAAAHwAAAFQAAAD///8A////AQAAAAAAAAAAAAAAAAAAAAAAAAAAAAAAAAAAAAAAAAAAAAAAAH9/fwDu7OEDzMzMAMDA/wB/f38AAAAAAAAAAAAAAAAAAAAAAAAAAAAhAAAAGAAAABQAAADIBQAAiQsAAHpIAACpDwAAEAAAACYAAAAIAAAAAQAAAAAAAAA="/>
+                <pr:smNativeData xmlns="" xmlns:p14="http://schemas.microsoft.com/office/powerpoint/2010/main" xmlns:pr="smNativeData" val="SMDATA_13_eIVQYBMAAAAlAAAAZAAAAA0AAAAAAAAAAAAAAAAAAAAAAAAAAAAAAAAAAAAAAAAAAAEAAABQAAAAAAAAAAAA4D8AAAAAAADgPwAAAAAAAOA/AAAAAAAA4D8AAAAAAADgPwAAAAAAAOA/AAAAAAAA4D8AAAAAAADgPwAAAAAAAOA/AAAAAAAA4D8CAAAAjAAAAAAAAAAAAAAA////AP///wgAAAAAAAAAAAAAAAAAAAAAAAAAAAAAAAAAAAAAeAAAAAEAAABAAAAAAAAAAAAAAABaAAAAAAAAAAAAAAAAAAAAAAAAAAAAAAAAAAAAAAAAAAAAAAAAAAAAAAAAAAAAAAAAAAAAAAAAAAAAAAAAAAAAAAAAAAAAAAAAAAAAFAAAADwAAAAAAAAAAAAAAAAAAAAPAAAAAQAAACMAAAAjAAAAIwAAAB4AAAAAAAAAZAAAAGQAAAAAAAAAZAAAAGQAAAAVAAAAYAAAAAAAAAAAAAAADwAAACADAAAAAAAAAAAAAAEAAACgMgAAVgcAAKr4//8BAAAAf39/AAEAAABkAAAAAAAAABQAAABAHwAAAAAAACYAAAAAAAAAwOD//wAAAAAmAAAAZAAAABYAAABMAAAAAAAAAAAAAAAEAAAAAAAAAAEAAADu7OEKAAAAACgAAAAoAAAAZAAAAGQAAAAAAAAAzMzMAAAAAABQAAAAUAAAAGQAAABkAAAAAAAAABcAAAAUAAAAAAAAAAAAAAD/fwAA/38AAAAAAAAJAAAABAAAAAAAAAAMAAAAEAAAAAAAAAAAAAAAAAAAAAAAAAAeAAAAaAAAAAAAAAAAAAAAAAAAAAAAAAAAAAAAECcAABAnAAAAAAAAAAAAAAAAAAAAAAAAAAAAAAAAAAAAAAAAAAAAABQAAAAAAAAAwMD/AAAAAABkAAAAMgAAAAAAAABkAAAAAAAAAH9/fwAKAAAAHwAAAFQAAAD///8A////AQAAAAAAAAAAAAAAAAAAAAAAAAAAAAAAAAAAAAAAAAAAAAAAAH9/fwDu7OEDzMzMAMDA/wB/f38AAAAAAAAAAAAAAAAAAAAAAAAAAAAhAAAAGAAAABQAAADIBQAAiQsAAHpIAACpDwAAEAAAACYAAAAIAAAAAQAAAAAAAAA="/>
               </a:ext>
             </a:extLst>
           </p:cNvSpPr>
@@ -7663,7 +8264,7 @@
             <a:spLocks noGrp="1" noChangeArrowheads="1"/>
             <a:extLst>
               <a:ext uri="smNativeData">
-                <pr:smNativeData xmlns:pr="smNativeData" xmlns:p14="http://schemas.microsoft.com/office/powerpoint/2010/main" xmlns="" val="SMDATA_13_eIVQYBMAAAAlAAAAZAAAAA0AAAAAAAAAAAAAAAAAAAAAAAAAAAAAAAAAAAAAAAAAAAEAAABQAAAAAAAAAAAA4D8AAAAAAADgPwAAAAAAAOA/AAAAAAAA4D8AAAAAAADgPwAAAAAAAOA/AAAAAAAA4D8AAAAAAADgPwAAAAAAAOA/AAAAAAAA4D8CAAAAjAAAAAAAAAAAAAAA////AP///wgAAAAAAAAAAAAAAAAAAAAAAAAAAAAAAAAAAAAAeAAAAAEAAABAAAAAAAAAAAAAAABaAAAAAAAAAAAAAAAAAAAAAAAAAAAAAAAAAAAAAAAAAAAAAAAAAAAAAAAAAAAAAAAAAAAAAAAAAAAAAAAAAAAAAAAAAAAAAAAAAAAAFAAAADwAAAAAAAAAAAAAAAAAAAAPAAAAAQAAACMAAAAjAAAAIwAAAB4AAAAAAAAAZAAAAGQAAAAAAAAAZAAAAGQAAAAVAAAAYAAAAAAAAAAAAAAADwAAACADAAAAAAAAAAAAAAEAAACgMgAAVgcAAKr4//8BAAAAf39/AAEAAABkAAAAAAAAABQAAABAHwAAAAAAACYAAAAAAAAAwOD//wAAAAAmAAAAZAAAABYAAABMAAAAAAAAAAAAAAAEAAAAAAAAAAEAAADu7OEKAAAAACgAAAAoAAAAZAAAAGQAAAAAAAAAzMzMAAAAAABQAAAAUAAAAGQAAABkAAAAAAAAABcAAAAUAAAAAAAAAAAAAAD/fwAA/38AAAAAAAAJAAAABAAAAAAAAAAMAAAAEAAAAAAAAAAAAAAAAAAAAAAAAAAeAAAAaAAAAAAAAAAAAAAAAAAAAAAAAAAAAAAAECcAABAnAAAAAAAAAAAAAAAAAAAAAAAAAAAAAAAAAAAAAAAAAAAAABQAAAAAAAAAwMD/AAAAAABkAAAAMgAAAAAAAABkAAAAAAAAAH9/fwAKAAAAHwAAAFQAAAD///8A////AQAAAAAAAAAAAAAAAAAAAAAAAAAAAAAAAAAAAAAAAAAAAAAAAH9/fwDu7OEDzMzMAMDA/wB/f38AAAAAAAAAAAAAAAAAAAAAAAAAAAAhAAAAGAAAABQAAADJBQAAwRIAAHtIAADDMgAAAAAAACYAAAAIAAAAAYAAAAAAAAA="/>
+                <pr:smNativeData xmlns="" xmlns:p14="http://schemas.microsoft.com/office/powerpoint/2010/main" xmlns:pr="smNativeData" val="SMDATA_13_eIVQYBMAAAAlAAAAZAAAAA0AAAAAAAAAAAAAAAAAAAAAAAAAAAAAAAAAAAAAAAAAAAEAAABQAAAAAAAAAAAA4D8AAAAAAADgPwAAAAAAAOA/AAAAAAAA4D8AAAAAAADgPwAAAAAAAOA/AAAAAAAA4D8AAAAAAADgPwAAAAAAAOA/AAAAAAAA4D8CAAAAjAAAAAAAAAAAAAAA////AP///wgAAAAAAAAAAAAAAAAAAAAAAAAAAAAAAAAAAAAAeAAAAAEAAABAAAAAAAAAAAAAAABaAAAAAAAAAAAAAAAAAAAAAAAAAAAAAAAAAAAAAAAAAAAAAAAAAAAAAAAAAAAAAAAAAAAAAAAAAAAAAAAAAAAAAAAAAAAAAAAAAAAAFAAAADwAAAAAAAAAAAAAAAAAAAAPAAAAAQAAACMAAAAjAAAAIwAAAB4AAAAAAAAAZAAAAGQAAAAAAAAAZAAAAGQAAAAVAAAAYAAAAAAAAAAAAAAADwAAACADAAAAAAAAAAAAAAEAAACgMgAAVgcAAKr4//8BAAAAf39/AAEAAABkAAAAAAAAABQAAABAHwAAAAAAACYAAAAAAAAAwOD//wAAAAAmAAAAZAAAABYAAABMAAAAAAAAAAAAAAAEAAAAAAAAAAEAAADu7OEKAAAAACgAAAAoAAAAZAAAAGQAAAAAAAAAzMzMAAAAAABQAAAAUAAAAGQAAABkAAAAAAAAABcAAAAUAAAAAAAAAAAAAAD/fwAA/38AAAAAAAAJAAAABAAAAAAAAAAMAAAAEAAAAAAAAAAAAAAAAAAAAAAAAAAeAAAAaAAAAAAAAAAAAAAAAAAAAAAAAAAAAAAAECcAABAnAAAAAAAAAAAAAAAAAAAAAAAAAAAAAAAAAAAAAAAAAAAAABQAAAAAAAAAwMD/AAAAAABkAAAAMgAAAAAAAABkAAAAAAAAAH9/fwAKAAAAHwAAAFQAAAD///8A////AQAAAAAAAAAAAAAAAAAAAAAAAAAAAAAAAAAAAAAAAAAAAAAAAH9/fwDu7OEDzMzMAMDA/wB/f38AAAAAAAAAAAAAAAAAAAAAAAAAAAAhAAAAGAAAABQAAADJBQAAwRIAAHtIAADDMgAAAAAAACYAAAAIAAAAAYAAAAAAAAA="/>
               </a:ext>
             </a:extLst>
           </p:cNvSpPr>
@@ -7859,7 +8460,7 @@
             <a:spLocks noGrp="1" noChangeArrowheads="1"/>
             <a:extLst>
               <a:ext uri="smNativeData">
-                <pr:smNativeData xmlns:pr="smNativeData" xmlns:p14="http://schemas.microsoft.com/office/powerpoint/2010/main" xmlns="" val="SMDATA_13_eIVQYBMAAAAlAAAAZAAAAA0AAAAAAAAAAAAAAAAAAAAAAAAAAAAAAAAAAAAAAAAAAAEAAABQAAAAAAAAAAAA4D8AAAAAAADgPwAAAAAAAOA/AAAAAAAA4D8AAAAAAADgPwAAAAAAAOA/AAAAAAAA4D8AAAAAAADgPwAAAAAAAOA/AAAAAAAA4D8CAAAAjAAAAAAAAAAAAAAA////AP///wgAAAAAAAAAAAAAAAAAAAAAAAAAAAAAAAAAAAAAeAAAAAEAAABAAAAAAAAAAAAAAABaAAAAAAAAAAAAAAAAAAAAAAAAAAAAAAAAAAAAAAAAAAAAAAAAAAAAAAAAAAAAAAAAAAAAAAAAAAAAAAAAAAAAAAAAAAAAAAAAAAAAFAAAADwAAAAAAAAAAAAAAAAAAAAPAAAAAQAAACMAAAAjAAAAIwAAAB4AAAAAAAAAZAAAAGQAAAAAAAAAZAAAAGQAAAAVAAAAYAAAAAAAAAAAAAAADwAAACADAAAAAAAAAAAAAAEAAACgMgAAVgcAAKr4//8BAAAAf39/AAEAAABkAAAAAAAAABQAAABAHwAAAAAAACYAAAAAAAAAwOD//wAAAAAmAAAAZAAAABYAAABMAAAAAAAAAAAAAAAEAAAAAAAAAAEAAADu7OEKAAAAACgAAAAoAAAAZAAAAGQAAAAAAAAAzMzMAAAAAABQAAAAUAAAAGQAAABkAAAAAAAAABcAAAAUAAAAAAAAAAAAAAD/fwAA/38AAAAAAAAJAAAABAAAAAAAAAAMAAAAEAAAAAAAAAAAAAAAAAAAAAAAAAAeAAAAaAAAAAAAAAAAAAAAAAAAAAAAAAAAAAAAECcAABAnAAAAAAAAAAAAAAAAAAAAAAAAAAAAAAAAAAAAAAAAAAAAABQAAAAAAAAAwMD/AAAAAABkAAAAMgAAAAAAAABkAAAAAAAAAH9/fwAKAAAAHwAAAFQAAAD///8A////AQAAAAAAAAAAAAAAAAAAAAAAAAAAAAAAAAAAAAAAAAAAAAAAAH9/fwDu7OEDzMzMAMDA/wB/f38AAAAAAAAAAAAAAAAAAAAAAAAAAAAhAAAAGAAAABQAAADqAQAA4DgAAPAKAACYOgAAEAAAACYAAAAIAAAAAAAAAAAAAAA="/>
+                <pr:smNativeData xmlns="" xmlns:p14="http://schemas.microsoft.com/office/powerpoint/2010/main" xmlns:pr="smNativeData" val="SMDATA_13_eIVQYBMAAAAlAAAAZAAAAA0AAAAAAAAAAAAAAAAAAAAAAAAAAAAAAAAAAAAAAAAAAAEAAABQAAAAAAAAAAAA4D8AAAAAAADgPwAAAAAAAOA/AAAAAAAA4D8AAAAAAADgPwAAAAAAAOA/AAAAAAAA4D8AAAAAAADgPwAAAAAAAOA/AAAAAAAA4D8CAAAAjAAAAAAAAAAAAAAA////AP///wgAAAAAAAAAAAAAAAAAAAAAAAAAAAAAAAAAAAAAeAAAAAEAAABAAAAAAAAAAAAAAABaAAAAAAAAAAAAAAAAAAAAAAAAAAAAAAAAAAAAAAAAAAAAAAAAAAAAAAAAAAAAAAAAAAAAAAAAAAAAAAAAAAAAAAAAAAAAAAAAAAAAFAAAADwAAAAAAAAAAAAAAAAAAAAPAAAAAQAAACMAAAAjAAAAIwAAAB4AAAAAAAAAZAAAAGQAAAAAAAAAZAAAAGQAAAAVAAAAYAAAAAAAAAAAAAAADwAAACADAAAAAAAAAAAAAAEAAACgMgAAVgcAAKr4//8BAAAAf39/AAEAAABkAAAAAAAAABQAAABAHwAAAAAAACYAAAAAAAAAwOD//wAAAAAmAAAAZAAAABYAAABMAAAAAAAAAAAAAAAEAAAAAAAAAAEAAADu7OEKAAAAACgAAAAoAAAAZAAAAGQAAAAAAAAAzMzMAAAAAABQAAAAUAAAAGQAAABkAAAAAAAAABcAAAAUAAAAAAAAAAAAAAD/fwAA/38AAAAAAAAJAAAABAAAAAAAAAAMAAAAEAAAAAAAAAAAAAAAAAAAAAAAAAAeAAAAaAAAAAAAAAAAAAAAAAAAAAAAAAAAAAAAECcAABAnAAAAAAAAAAAAAAAAAAAAAAAAAAAAAAAAAAAAAAAAAAAAABQAAAAAAAAAwMD/AAAAAABkAAAAMgAAAAAAAABkAAAAAAAAAH9/fwAKAAAAHwAAAFQAAAD///8A////AQAAAAAAAAAAAAAAAAAAAAAAAAAAAAAAAAAAAAAAAAAAAAAAAH9/fwDu7OEDzMzMAMDA/wB/f38AAAAAAAAAAAAAAAAAAAAAAAAAAAAhAAAAGAAAABQAAADqAQAA4DgAAPAKAACYOgAAEAAAACYAAAAIAAAAAAAAAAAAAAA="/>
               </a:ext>
             </a:extLst>
           </p:cNvSpPr>
@@ -7888,7 +8489,7 @@
             <a:spLocks noGrp="1" noChangeArrowheads="1"/>
             <a:extLst>
               <a:ext uri="smNativeData">
-                <pr:smNativeData xmlns:pr="smNativeData" xmlns:p14="http://schemas.microsoft.com/office/powerpoint/2010/main" xmlns="" val="SMDATA_13_eIVQYBMAAAAlAAAAZAAAAA0AAAAAAAAAAAAAAAAAAAAAAAAAAAAAAAAAAAAAAAAAAAEAAABQAAAAAAAAAAAA4D8AAAAAAADgPwAAAAAAAOA/AAAAAAAA4D8AAAAAAADgPwAAAAAAAOA/AAAAAAAA4D8AAAAAAADgPwAAAAAAAOA/AAAAAAAA4D8CAAAAjAAAAAAAAAAAAAAA////AP///wgAAAAAAAAAAAAAAAAAAAAAAAAAAAAAAAAAAAAAeAAAAAEAAABAAAAAAAAAAAAAAABaAAAAAAAAAAAAAAAAAAAAAAAAAAAAAAAAAAAAAAAAAAAAAAAAAAAAAAAAAAAAAAAAAAAAAAAAAAAAAAAAAAAAAAAAAAAAAAAAAAAAFAAAADwAAAAAAAAAAAAAAAAAAAAPAAAAAQAAACMAAAAjAAAAIwAAAB4AAAAAAAAAZAAAAGQAAAAAAAAAZAAAAGQAAAAVAAAAYAAAAAAAAAAAAAAADwAAACADAAAAAAAAAAAAAAEAAACgMgAAVgcAAKr4//8BAAAAf39/AAEAAABkAAAAAAAAABQAAABAHwAAAAAAACYAAAAAAAAAwOD//wAAAAAmAAAAZAAAABYAAABMAAAAAAAAAAAAAAAEAAAAAAAAAAEAAADu7OEKAAAAACgAAAAoAAAAZAAAAGQAAAAAAAAAzMzMAAAAAABQAAAAUAAAAGQAAABkAAAAAAAAABcAAAAUAAAAAAAAAAAAAAD/fwAA/38AAAAAAAAJAAAABAAAAAAAAAAMAAAAEAAAAAAAAAAAAAAAAAAAAAAAAAAeAAAAaAAAAAAAAAAAAAAAAAAAAAAAAAAAAAAAECcAABAnAAAAAAAAAAAAAAAAAAAAAAAAAAAAAAAAAAAAAAAAAAAAABQAAAAAAAAAwMD/AAAAAABkAAAAMgAAAAAAAABkAAAAAAAAAH9/fwAKAAAAHwAAAFQAAAD///8A////AQAAAAAAAAAAAAAAAAAAAAAAAAAAAAAAAAAAAAAAAAAAAAAAAH9/fwDu7OEDzMzMAMDA/wB/f38AAAAAAAAAAAAAAAAAAAAAAAAAAAAhAAAAGAAAABQAAADQSAAAGDkAABZOAACYOgAAEAAAACYAAAAIAAAAAAAAAAAAAAA="/>
+                <pr:smNativeData xmlns="" xmlns:p14="http://schemas.microsoft.com/office/powerpoint/2010/main" xmlns:pr="smNativeData" val="SMDATA_13_eIVQYBMAAAAlAAAAZAAAAA0AAAAAAAAAAAAAAAAAAAAAAAAAAAAAAAAAAAAAAAAAAAEAAABQAAAAAAAAAAAA4D8AAAAAAADgPwAAAAAAAOA/AAAAAAAA4D8AAAAAAADgPwAAAAAAAOA/AAAAAAAA4D8AAAAAAADgPwAAAAAAAOA/AAAAAAAA4D8CAAAAjAAAAAAAAAAAAAAA////AP///wgAAAAAAAAAAAAAAAAAAAAAAAAAAAAAAAAAAAAAeAAAAAEAAABAAAAAAAAAAAAAAABaAAAAAAAAAAAAAAAAAAAAAAAAAAAAAAAAAAAAAAAAAAAAAAAAAAAAAAAAAAAAAAAAAAAAAAAAAAAAAAAAAAAAAAAAAAAAAAAAAAAAFAAAADwAAAAAAAAAAAAAAAAAAAAPAAAAAQAAACMAAAAjAAAAIwAAAB4AAAAAAAAAZAAAAGQAAAAAAAAAZAAAAGQAAAAVAAAAYAAAAAAAAAAAAAAADwAAACADAAAAAAAAAAAAAAEAAACgMgAAVgcAAKr4//8BAAAAf39/AAEAAABkAAAAAAAAABQAAABAHwAAAAAAACYAAAAAAAAAwOD//wAAAAAmAAAAZAAAABYAAABMAAAAAAAAAAAAAAAEAAAAAAAAAAEAAADu7OEKAAAAACgAAAAoAAAAZAAAAGQAAAAAAAAAzMzMAAAAAABQAAAAUAAAAGQAAABkAAAAAAAAABcAAAAUAAAAAAAAAAAAAAD/fwAA/38AAAAAAAAJAAAABAAAAAAAAAAMAAAAEAAAAAAAAAAAAAAAAAAAAAAAAAAeAAAAaAAAAAAAAAAAAAAAAAAAAAAAAAAAAAAAECcAABAnAAAAAAAAAAAAAAAAAAAAAAAAAAAAAAAAAAAAAAAAAAAAABQAAAAAAAAAwMD/AAAAAABkAAAAMgAAAAAAAABkAAAAAAAAAH9/fwAKAAAAHwAAAFQAAAD///8A////AQAAAAAAAAAAAAAAAAAAAAAAAAAAAAAAAAAAAAAAAAAAAAAAAH9/fwDu7OEDzMzMAMDA/wB/f38AAAAAAAAAAAAAAAAAAAAAAAAAAAAhAAAAGAAAABQAAADQSAAAGDkAABZOAACYOgAAEAAAACYAAAAIAAAAAAAAAAAAAAA="/>
               </a:ext>
             </a:extLst>
           </p:cNvSpPr>
@@ -7924,7 +8525,7 @@
             <a:spLocks noChangeArrowheads="1"/>
             <a:extLst>
               <a:ext uri="smNativeData">
-                <pr:smNativeData xmlns:pr="smNativeData" xmlns:p14="http://schemas.microsoft.com/office/powerpoint/2010/main" xmlns="" val="SMDATA_13_eIVQYBMAAAAlAAAAZAAAAA0AAAAAAAAAAAAAAAAAAAAAAAAAAAAAAAAAAAAAAAAAAAEAAABQAAAAAAAAAAAA4D8AAAAAAADgPwAAAAAAAOA/AAAAAAAA4D8AAAAAAADgPwAAAAAAAOA/AAAAAAAA4D8AAAAAAADgPwAAAAAAAOA/AAAAAAAA4D8CAAAAjAAAAAAAAAAAAAAA////AP///wgAAAAAAAAAAAAAAAAAAAAAAAAAAAAAAAAAAAAAeAAAAAEAAABAAAAAAAAAAAAAAABaAAAAAAAAAAAAAAAAAAAAAAAAAAAAAAAAAAAAAAAAAAAAAAAAAAAAAAAAAAAAAAAAAAAAAAAAAAAAAAAAAAAAAAAAAAAAAAAAAAAAFAAAADwAAAAAAAAAAAAAAAAAAAAPAAAAAQAAACMAAAAjAAAAIwAAAB4AAAAAAAAAZAAAAGQAAAAAAAAAZAAAAGQAAAAVAAAAYAAAAAAAAAAAAAAADwAAACADAAAAAAAAAAAAAAEAAACgMgAAVgcAAKr4//8BAAAAf39/AAEAAABkAAAAAAAAABQAAABAHwAAAAAAACYAAAAAAAAAwOD//wAAAAAmAAAAZAAAABYAAABMAAAAAAAAAAAAAAAEAAAAAAAAAAEAAADu7OEKAAAAACgAAAAoAAAAZAAAAGQAAAAAAAAAzMzMAAAAAABQAAAAUAAAAGQAAABkAAAAAAAAABcAAAAUAAAAAAAAAAAAAAD/fwAA/38AAAAAAAAJAAAABAAAAAQEAAAMAAAAEAAAAAAAAAAAAAAAAAAAAAAAAAAeAAAAaAAAAAAAAAAAAAAAAAAAAAAAAAAAAAAAECcAABAnAAAAAAAAAAAAAAAAAAAAAAAAAAAAAAAAAAAAAAAAAAAAABQAAAAAAAAAwMD/AAAAAABkAAAAMgAAAAAAAABkAAAAAAAAAH9/fwAKAAAAHwAAAFQAAAD///8A////AQAAAAAAAAAAAAAAAAAAAAAAAAAAAAAAAAAAAAAAAAAAAAAAAH9/fwDu7OEDzMzMAMDA/wB/f38AAAAAAAAAAAAAAAAAAAAAAAAAAAAhAAAAGAAAABQAAADIBQAAXTYAAMcoAACANwAAEAAAACYAAAAIAAAAAAAAAAAAAAA="/>
+                <pr:smNativeData xmlns="" xmlns:p14="http://schemas.microsoft.com/office/powerpoint/2010/main" xmlns:pr="smNativeData" val="SMDATA_13_eIVQYBMAAAAlAAAAZAAAAA0AAAAAAAAAAAAAAAAAAAAAAAAAAAAAAAAAAAAAAAAAAAEAAABQAAAAAAAAAAAA4D8AAAAAAADgPwAAAAAAAOA/AAAAAAAA4D8AAAAAAADgPwAAAAAAAOA/AAAAAAAA4D8AAAAAAADgPwAAAAAAAOA/AAAAAAAA4D8CAAAAjAAAAAAAAAAAAAAA////AP///wgAAAAAAAAAAAAAAAAAAAAAAAAAAAAAAAAAAAAAeAAAAAEAAABAAAAAAAAAAAAAAABaAAAAAAAAAAAAAAAAAAAAAAAAAAAAAAAAAAAAAAAAAAAAAAAAAAAAAAAAAAAAAAAAAAAAAAAAAAAAAAAAAAAAAAAAAAAAAAAAAAAAFAAAADwAAAAAAAAAAAAAAAAAAAAPAAAAAQAAACMAAAAjAAAAIwAAAB4AAAAAAAAAZAAAAGQAAAAAAAAAZAAAAGQAAAAVAAAAYAAAAAAAAAAAAAAADwAAACADAAAAAAAAAAAAAAEAAACgMgAAVgcAAKr4//8BAAAAf39/AAEAAABkAAAAAAAAABQAAABAHwAAAAAAACYAAAAAAAAAwOD//wAAAAAmAAAAZAAAABYAAABMAAAAAAAAAAAAAAAEAAAAAAAAAAEAAADu7OEKAAAAACgAAAAoAAAAZAAAAGQAAAAAAAAAzMzMAAAAAABQAAAAUAAAAGQAAABkAAAAAAAAABcAAAAUAAAAAAAAAAAAAAD/fwAA/38AAAAAAAAJAAAABAAAAAQEAAAMAAAAEAAAAAAAAAAAAAAAAAAAAAAAAAAeAAAAaAAAAAAAAAAAAAAAAAAAAAAAAAAAAAAAECcAABAnAAAAAAAAAAAAAAAAAAAAAAAAAAAAAAAAAAAAAAAAAAAAABQAAAAAAAAAwMD/AAAAAABkAAAAMgAAAAAAAABkAAAAAAAAAH9/fwAKAAAAHwAAAFQAAAD///8A////AQAAAAAAAAAAAAAAAAAAAAAAAAAAAAAAAAAAAAAAAAAAAAAAAH9/fwDu7OEDzMzMAMDA/wB/f38AAAAAAAAAAAAAAAAAAAAAAAAAAAAhAAAAGAAAABQAAADIBQAAXTYAAMcoAACANwAAEAAAACYAAAAIAAAAAAAAAAAAAAA="/>
               </a:ext>
             </a:extLst>
           </p:cNvSpPr>
@@ -8229,7 +8830,7 @@
             <a:spLocks noGrp="1" noChangeArrowheads="1"/>
             <a:extLst>
               <a:ext uri="smNativeData">
-                <pr:smNativeData xmlns="" xmlns:p14="http://schemas.microsoft.com/office/powerpoint/2010/main" xmlns:pr="smNativeData" val="SMDATA_13_eIVQYBMAAAAlAAAAZAAAAA0AAAAAAAAAAAAAAAAAAAAAAAAAAAAAAAAAAAAAAAAAAAEAAABQAAAAAAAAAAAA4D8AAAAAAADgPwAAAAAAAOA/AAAAAAAA4D8AAAAAAADgPwAAAAAAAOA/AAAAAAAA4D8AAAAAAADgPwAAAAAAAOA/AAAAAAAA4D8CAAAAjAAAAAAAAAAAAAAA////AP///wgAAAAAAAAAAAAAAAAAAAAAAAAAAAAAAAAAAAAAeAAAAAEAAABAAAAAAAAAAAAAAABaAAAAAAAAAAAAAAAAAAAAAAAAAAAAAAAAAAAAAAAAAAAAAAAAAAAAAAAAAAAAAAAAAAAAAAAAAAAAAAAAAAAAAAAAAAAAAAAAAAAAFAAAADwAAAAAAAAAAAAAAAAAAAAPAAAAAQAAACMAAAAjAAAAIwAAAB4AAAAAAAAAZAAAAGQAAAAAAAAAZAAAAGQAAAAVAAAAYAAAAAAAAAAAAAAADwAAACADAAAAAAAAAAAAAAEAAACgMgAAVgcAAKr4//8BAAAAf39/AAEAAABkAAAAAAAAABQAAABAHwAAAAAAACYAAAAAAAAAwOD//wAAAAAmAAAAZAAAABYAAABMAAAAAAAAAAAAAAAEAAAAAAAAAAEAAADu7OEKAAAAACgAAAAoAAAAZAAAAGQAAAAAAAAAzMzMAAAAAABQAAAAUAAAAGQAAABkAAAAAAAAABcAAAAUAAAAAAAAAAAAAAD/fwAA/38AAAAAAAAJAAAABAAAAAAAAAAMAAAAEAAAAAAAAAAAAAAAAAAAAAAAAAAeAAAAaAAAAAAAAAAAAAAAAAAAAAAAAAAAAAAAECcAABAnAAAAAAAAAAAAAAAAAAAAAAAAAAAAAAAAAAAAAAAAAAAAABQAAAAAAAAAwMD/AAAAAABkAAAAMgAAAAAAAABkAAAAAAAAAH9/fwAKAAAAHwAAAFQAAAD///8A////AQAAAAAAAAAAAAAAAAAAAAAAAAAAAAAAAAAAAAAAAAAAAAAAAH9/fwDu7OEDzMzMAMDA/wB/f38AAAAAAAAAAAAAAAAAAAAAAAAAAAAhAAAAGAAAABQAAADIBQAAiQsAAHpIAACpDwAAEAAAACYAAAAIAAAAAQAAAAAAAAA="/>
+                <pr:smNativeData xmlns:pr="smNativeData" xmlns:p14="http://schemas.microsoft.com/office/powerpoint/2010/main" xmlns="" val="SMDATA_13_eIVQYBMAAAAlAAAAZAAAAA0AAAAAAAAAAAAAAAAAAAAAAAAAAAAAAAAAAAAAAAAAAAEAAABQAAAAAAAAAAAA4D8AAAAAAADgPwAAAAAAAOA/AAAAAAAA4D8AAAAAAADgPwAAAAAAAOA/AAAAAAAA4D8AAAAAAADgPwAAAAAAAOA/AAAAAAAA4D8CAAAAjAAAAAAAAAAAAAAA////AP///wgAAAAAAAAAAAAAAAAAAAAAAAAAAAAAAAAAAAAAeAAAAAEAAABAAAAAAAAAAAAAAABaAAAAAAAAAAAAAAAAAAAAAAAAAAAAAAAAAAAAAAAAAAAAAAAAAAAAAAAAAAAAAAAAAAAAAAAAAAAAAAAAAAAAAAAAAAAAAAAAAAAAFAAAADwAAAAAAAAAAAAAAAAAAAAPAAAAAQAAACMAAAAjAAAAIwAAAB4AAAAAAAAAZAAAAGQAAAAAAAAAZAAAAGQAAAAVAAAAYAAAAAAAAAAAAAAADwAAACADAAAAAAAAAAAAAAEAAACgMgAAVgcAAKr4//8BAAAAf39/AAEAAABkAAAAAAAAABQAAABAHwAAAAAAACYAAAAAAAAAwOD//wAAAAAmAAAAZAAAABYAAABMAAAAAAAAAAAAAAAEAAAAAAAAAAEAAADu7OEKAAAAACgAAAAoAAAAZAAAAGQAAAAAAAAAzMzMAAAAAABQAAAAUAAAAGQAAABkAAAAAAAAABcAAAAUAAAAAAAAAAAAAAD/fwAA/38AAAAAAAAJAAAABAAAAAAAAAAMAAAAEAAAAAAAAAAAAAAAAAAAAAAAAAAeAAAAaAAAAAAAAAAAAAAAAAAAAAAAAAAAAAAAECcAABAnAAAAAAAAAAAAAAAAAAAAAAAAAAAAAAAAAAAAAAAAAAAAABQAAAAAAAAAwMD/AAAAAABkAAAAMgAAAAAAAABkAAAAAAAAAH9/fwAKAAAAHwAAAFQAAAD///8A////AQAAAAAAAAAAAAAAAAAAAAAAAAAAAAAAAAAAAAAAAAAAAAAAAH9/fwDu7OEDzMzMAMDA/wB/f38AAAAAAAAAAAAAAAAAAAAAAAAAAAAhAAAAGAAAABQAAADIBQAAiQsAAHpIAACpDwAAEAAAACYAAAAIAAAAAQAAAAAAAAA="/>
               </a:ext>
             </a:extLst>
           </p:cNvSpPr>
@@ -8264,7 +8865,7 @@
             <a:spLocks noGrp="1" noChangeArrowheads="1"/>
             <a:extLst>
               <a:ext uri="smNativeData">
-                <pr:smNativeData xmlns="" xmlns:p14="http://schemas.microsoft.com/office/powerpoint/2010/main" xmlns:pr="smNativeData" val="SMDATA_13_eIVQYBMAAAAlAAAAZAAAAA0AAAAAAAAAAAAAAAAAAAAAAAAAAAAAAAAAAAAAAAAAAAEAAABQAAAAAAAAAAAA4D8AAAAAAADgPwAAAAAAAOA/AAAAAAAA4D8AAAAAAADgPwAAAAAAAOA/AAAAAAAA4D8AAAAAAADgPwAAAAAAAOA/AAAAAAAA4D8CAAAAjAAAAAAAAAAAAAAA////AP///wgAAAAAAAAAAAAAAAAAAAAAAAAAAAAAAAAAAAAAeAAAAAEAAABAAAAAAAAAAAAAAABaAAAAAAAAAAAAAAAAAAAAAAAAAAAAAAAAAAAAAAAAAAAAAAAAAAAAAAAAAAAAAAAAAAAAAAAAAAAAAAAAAAAAAAAAAAAAAAAAAAAAFAAAADwAAAAAAAAAAAAAAAAAAAAPAAAAAQAAACMAAAAjAAAAIwAAAB4AAAAAAAAAZAAAAGQAAAAAAAAAZAAAAGQAAAAVAAAAYAAAAAAAAAAAAAAADwAAACADAAAAAAAAAAAAAAEAAACgMgAAVgcAAKr4//8BAAAAf39/AAEAAABkAAAAAAAAABQAAABAHwAAAAAAACYAAAAAAAAAwOD//wAAAAAmAAAAZAAAABYAAABMAAAAAAAAAAAAAAAEAAAAAAAAAAEAAADu7OEKAAAAACgAAAAoAAAAZAAAAGQAAAAAAAAAzMzMAAAAAABQAAAAUAAAAGQAAABkAAAAAAAAABcAAAAUAAAAAAAAAAAAAAD/fwAA/38AAAAAAAAJAAAABAAAAAAAAAAMAAAAEAAAAAAAAAAAAAAAAAAAAAAAAAAeAAAAaAAAAAAAAAAAAAAAAAAAAAAAAAAAAAAAECcAABAnAAAAAAAAAAAAAAAAAAAAAAAAAAAAAAAAAAAAAAAAAAAAABQAAAAAAAAAwMD/AAAAAABkAAAAMgAAAAAAAABkAAAAAAAAAH9/fwAKAAAAHwAAAFQAAAD///8A////AQAAAAAAAAAAAAAAAAAAAAAAAAAAAAAAAAAAAAAAAAAAAAAAAH9/fwDu7OEDzMzMAMDA/wB/f38AAAAAAAAAAAAAAAAAAAAAAAAAAAAhAAAAGAAAABQAAADJBQAAwRIAAHtIAADDMgAAAAAAACYAAAAIAAAAAYAAAAAAAAA="/>
+                <pr:smNativeData xmlns:pr="smNativeData" xmlns:p14="http://schemas.microsoft.com/office/powerpoint/2010/main" xmlns="" val="SMDATA_13_eIVQYBMAAAAlAAAAZAAAAA0AAAAAAAAAAAAAAAAAAAAAAAAAAAAAAAAAAAAAAAAAAAEAAABQAAAAAAAAAAAA4D8AAAAAAADgPwAAAAAAAOA/AAAAAAAA4D8AAAAAAADgPwAAAAAAAOA/AAAAAAAA4D8AAAAAAADgPwAAAAAAAOA/AAAAAAAA4D8CAAAAjAAAAAAAAAAAAAAA////AP///wgAAAAAAAAAAAAAAAAAAAAAAAAAAAAAAAAAAAAAeAAAAAEAAABAAAAAAAAAAAAAAABaAAAAAAAAAAAAAAAAAAAAAAAAAAAAAAAAAAAAAAAAAAAAAAAAAAAAAAAAAAAAAAAAAAAAAAAAAAAAAAAAAAAAAAAAAAAAAAAAAAAAFAAAADwAAAAAAAAAAAAAAAAAAAAPAAAAAQAAACMAAAAjAAAAIwAAAB4AAAAAAAAAZAAAAGQAAAAAAAAAZAAAAGQAAAAVAAAAYAAAAAAAAAAAAAAADwAAACADAAAAAAAAAAAAAAEAAACgMgAAVgcAAKr4//8BAAAAf39/AAEAAABkAAAAAAAAABQAAABAHwAAAAAAACYAAAAAAAAAwOD//wAAAAAmAAAAZAAAABYAAABMAAAAAAAAAAAAAAAEAAAAAAAAAAEAAADu7OEKAAAAACgAAAAoAAAAZAAAAGQAAAAAAAAAzMzMAAAAAABQAAAAUAAAAGQAAABkAAAAAAAAABcAAAAUAAAAAAAAAAAAAAD/fwAA/38AAAAAAAAJAAAABAAAAAAAAAAMAAAAEAAAAAAAAAAAAAAAAAAAAAAAAAAeAAAAaAAAAAAAAAAAAAAAAAAAAAAAAAAAAAAAECcAABAnAAAAAAAAAAAAAAAAAAAAAAAAAAAAAAAAAAAAAAAAAAAAABQAAAAAAAAAwMD/AAAAAABkAAAAMgAAAAAAAABkAAAAAAAAAH9/fwAKAAAAHwAAAFQAAAD///8A////AQAAAAAAAAAAAAAAAAAAAAAAAAAAAAAAAAAAAAAAAAAAAAAAAH9/fwDu7OEDzMzMAMDA/wB/f38AAAAAAAAAAAAAAAAAAAAAAAAAAAAhAAAAGAAAABQAAADJBQAAwRIAAHtIAADDMgAAAAAAACYAAAAIAAAAAYAAAAAAAAA="/>
               </a:ext>
             </a:extLst>
           </p:cNvSpPr>
@@ -8435,7 +9036,7 @@
             <a:spLocks noGrp="1" noChangeArrowheads="1"/>
             <a:extLst>
               <a:ext uri="smNativeData">
-                <pr:smNativeData xmlns="" xmlns:p14="http://schemas.microsoft.com/office/powerpoint/2010/main" xmlns:pr="smNativeData" val="SMDATA_13_eIVQYBMAAAAlAAAAZAAAAA0AAAAAAAAAAAAAAAAAAAAAAAAAAAAAAAAAAAAAAAAAAAEAAABQAAAAAAAAAAAA4D8AAAAAAADgPwAAAAAAAOA/AAAAAAAA4D8AAAAAAADgPwAAAAAAAOA/AAAAAAAA4D8AAAAAAADgPwAAAAAAAOA/AAAAAAAA4D8CAAAAjAAAAAAAAAAAAAAA////AP///wgAAAAAAAAAAAAAAAAAAAAAAAAAAAAAAAAAAAAAeAAAAAEAAABAAAAAAAAAAAAAAABaAAAAAAAAAAAAAAAAAAAAAAAAAAAAAAAAAAAAAAAAAAAAAAAAAAAAAAAAAAAAAAAAAAAAAAAAAAAAAAAAAAAAAAAAAAAAAAAAAAAAFAAAADwAAAAAAAAAAAAAAAAAAAAPAAAAAQAAACMAAAAjAAAAIwAAAB4AAAAAAAAAZAAAAGQAAAAAAAAAZAAAAGQAAAAVAAAAYAAAAAAAAAAAAAAADwAAACADAAAAAAAAAAAAAAEAAACgMgAAVgcAAKr4//8BAAAAf39/AAEAAABkAAAAAAAAABQAAABAHwAAAAAAACYAAAAAAAAAwOD//wAAAAAmAAAAZAAAABYAAABMAAAAAAAAAAAAAAAEAAAAAAAAAAEAAADu7OEKAAAAACgAAAAoAAAAZAAAAGQAAAAAAAAAzMzMAAAAAABQAAAAUAAAAGQAAABkAAAAAAAAABcAAAAUAAAAAAAAAAAAAAD/fwAA/38AAAAAAAAJAAAABAAAAAAAAAAMAAAAEAAAAAAAAAAAAAAAAAAAAAAAAAAeAAAAaAAAAAAAAAAAAAAAAAAAAAAAAAAAAAAAECcAABAnAAAAAAAAAAAAAAAAAAAAAAAAAAAAAAAAAAAAAAAAAAAAABQAAAAAAAAAwMD/AAAAAABkAAAAMgAAAAAAAABkAAAAAAAAAH9/fwAKAAAAHwAAAFQAAAD///8A////AQAAAAAAAAAAAAAAAAAAAAAAAAAAAAAAAAAAAAAAAAAAAAAAAH9/fwDu7OEDzMzMAMDA/wB/f38AAAAAAAAAAAAAAAAAAAAAAAAAAAAhAAAAGAAAABQAAADqAQAA4DgAAPAKAACYOgAAEAAAACYAAAAIAAAAAAAAAAAAAAA="/>
+                <pr:smNativeData xmlns:pr="smNativeData" xmlns:p14="http://schemas.microsoft.com/office/powerpoint/2010/main" xmlns="" val="SMDATA_13_eIVQYBMAAAAlAAAAZAAAAA0AAAAAAAAAAAAAAAAAAAAAAAAAAAAAAAAAAAAAAAAAAAEAAABQAAAAAAAAAAAA4D8AAAAAAADgPwAAAAAAAOA/AAAAAAAA4D8AAAAAAADgPwAAAAAAAOA/AAAAAAAA4D8AAAAAAADgPwAAAAAAAOA/AAAAAAAA4D8CAAAAjAAAAAAAAAAAAAAA////AP///wgAAAAAAAAAAAAAAAAAAAAAAAAAAAAAAAAAAAAAeAAAAAEAAABAAAAAAAAAAAAAAABaAAAAAAAAAAAAAAAAAAAAAAAAAAAAAAAAAAAAAAAAAAAAAAAAAAAAAAAAAAAAAAAAAAAAAAAAAAAAAAAAAAAAAAAAAAAAAAAAAAAAFAAAADwAAAAAAAAAAAAAAAAAAAAPAAAAAQAAACMAAAAjAAAAIwAAAB4AAAAAAAAAZAAAAGQAAAAAAAAAZAAAAGQAAAAVAAAAYAAAAAAAAAAAAAAADwAAACADAAAAAAAAAAAAAAEAAACgMgAAVgcAAKr4//8BAAAAf39/AAEAAABkAAAAAAAAABQAAABAHwAAAAAAACYAAAAAAAAAwOD//wAAAAAmAAAAZAAAABYAAABMAAAAAAAAAAAAAAAEAAAAAAAAAAEAAADu7OEKAAAAACgAAAAoAAAAZAAAAGQAAAAAAAAAzMzMAAAAAABQAAAAUAAAAGQAAABkAAAAAAAAABcAAAAUAAAAAAAAAAAAAAD/fwAA/38AAAAAAAAJAAAABAAAAAAAAAAMAAAAEAAAAAAAAAAAAAAAAAAAAAAAAAAeAAAAaAAAAAAAAAAAAAAAAAAAAAAAAAAAAAAAECcAABAnAAAAAAAAAAAAAAAAAAAAAAAAAAAAAAAAAAAAAAAAAAAAABQAAAAAAAAAwMD/AAAAAABkAAAAMgAAAAAAAABkAAAAAAAAAH9/fwAKAAAAHwAAAFQAAAD///8A////AQAAAAAAAAAAAAAAAAAAAAAAAAAAAAAAAAAAAAAAAAAAAAAAAH9/fwDu7OEDzMzMAMDA/wB/f38AAAAAAAAAAAAAAAAAAAAAAAAAAAAhAAAAGAAAABQAAADqAQAA4DgAAPAKAACYOgAAEAAAACYAAAAIAAAAAAAAAAAAAAA="/>
               </a:ext>
             </a:extLst>
           </p:cNvSpPr>
@@ -8464,7 +9065,7 @@
             <a:spLocks noGrp="1" noChangeArrowheads="1"/>
             <a:extLst>
               <a:ext uri="smNativeData">
-                <pr:smNativeData xmlns="" xmlns:p14="http://schemas.microsoft.com/office/powerpoint/2010/main" xmlns:pr="smNativeData" val="SMDATA_13_eIVQYBMAAAAlAAAAZAAAAA0AAAAAAAAAAAAAAAAAAAAAAAAAAAAAAAAAAAAAAAAAAAEAAABQAAAAAAAAAAAA4D8AAAAAAADgPwAAAAAAAOA/AAAAAAAA4D8AAAAAAADgPwAAAAAAAOA/AAAAAAAA4D8AAAAAAADgPwAAAAAAAOA/AAAAAAAA4D8CAAAAjAAAAAAAAAAAAAAA////AP///wgAAAAAAAAAAAAAAAAAAAAAAAAAAAAAAAAAAAAAeAAAAAEAAABAAAAAAAAAAAAAAABaAAAAAAAAAAAAAAAAAAAAAAAAAAAAAAAAAAAAAAAAAAAAAAAAAAAAAAAAAAAAAAAAAAAAAAAAAAAAAAAAAAAAAAAAAAAAAAAAAAAAFAAAADwAAAAAAAAAAAAAAAAAAAAPAAAAAQAAACMAAAAjAAAAIwAAAB4AAAAAAAAAZAAAAGQAAAAAAAAAZAAAAGQAAAAVAAAAYAAAAAAAAAAAAAAADwAAACADAAAAAAAAAAAAAAEAAACgMgAAVgcAAKr4//8BAAAAf39/AAEAAABkAAAAAAAAABQAAABAHwAAAAAAACYAAAAAAAAAwOD//wAAAAAmAAAAZAAAABYAAABMAAAAAAAAAAAAAAAEAAAAAAAAAAEAAADu7OEKAAAAACgAAAAoAAAAZAAAAGQAAAAAAAAAzMzMAAAAAABQAAAAUAAAAGQAAABkAAAAAAAAABcAAAAUAAAAAAAAAAAAAAD/fwAA/38AAAAAAAAJAAAABAAAAAAAAAAMAAAAEAAAAAAAAAAAAAAAAAAAAAAAAAAeAAAAaAAAAAAAAAAAAAAAAAAAAAAAAAAAAAAAECcAABAnAAAAAAAAAAAAAAAAAAAAAAAAAAAAAAAAAAAAAAAAAAAAABQAAAAAAAAAwMD/AAAAAABkAAAAMgAAAAAAAABkAAAAAAAAAH9/fwAKAAAAHwAAAFQAAAD///8A////AQAAAAAAAAAAAAAAAAAAAAAAAAAAAAAAAAAAAAAAAAAAAAAAAH9/fwDu7OEDzMzMAMDA/wB/f38AAAAAAAAAAAAAAAAAAAAAAAAAAAAhAAAAGAAAABQAAADQSAAAGDkAABZOAACYOgAAEAAAACYAAAAIAAAAAAAAAAAAAAA="/>
+                <pr:smNativeData xmlns:pr="smNativeData" xmlns:p14="http://schemas.microsoft.com/office/powerpoint/2010/main" xmlns="" val="SMDATA_13_eIVQYBMAAAAlAAAAZAAAAA0AAAAAAAAAAAAAAAAAAAAAAAAAAAAAAAAAAAAAAAAAAAEAAABQAAAAAAAAAAAA4D8AAAAAAADgPwAAAAAAAOA/AAAAAAAA4D8AAAAAAADgPwAAAAAAAOA/AAAAAAAA4D8AAAAAAADgPwAAAAAAAOA/AAAAAAAA4D8CAAAAjAAAAAAAAAAAAAAA////AP///wgAAAAAAAAAAAAAAAAAAAAAAAAAAAAAAAAAAAAAeAAAAAEAAABAAAAAAAAAAAAAAABaAAAAAAAAAAAAAAAAAAAAAAAAAAAAAAAAAAAAAAAAAAAAAAAAAAAAAAAAAAAAAAAAAAAAAAAAAAAAAAAAAAAAAAAAAAAAAAAAAAAAFAAAADwAAAAAAAAAAAAAAAAAAAAPAAAAAQAAACMAAAAjAAAAIwAAAB4AAAAAAAAAZAAAAGQAAAAAAAAAZAAAAGQAAAAVAAAAYAAAAAAAAAAAAAAADwAAACADAAAAAAAAAAAAAAEAAACgMgAAVgcAAKr4//8BAAAAf39/AAEAAABkAAAAAAAAABQAAABAHwAAAAAAACYAAAAAAAAAwOD//wAAAAAmAAAAZAAAABYAAABMAAAAAAAAAAAAAAAEAAAAAAAAAAEAAADu7OEKAAAAACgAAAAoAAAAZAAAAGQAAAAAAAAAzMzMAAAAAABQAAAAUAAAAGQAAABkAAAAAAAAABcAAAAUAAAAAAAAAAAAAAD/fwAA/38AAAAAAAAJAAAABAAAAAAAAAAMAAAAEAAAAAAAAAAAAAAAAAAAAAAAAAAeAAAAaAAAAAAAAAAAAAAAAAAAAAAAAAAAAAAAECcAABAnAAAAAAAAAAAAAAAAAAAAAAAAAAAAAAAAAAAAAAAAAAAAABQAAAAAAAAAwMD/AAAAAABkAAAAMgAAAAAAAABkAAAAAAAAAH9/fwAKAAAAHwAAAFQAAAD///8A////AQAAAAAAAAAAAAAAAAAAAAAAAAAAAAAAAAAAAAAAAAAAAAAAAH9/fwDu7OEDzMzMAMDA/wB/f38AAAAAAAAAAAAAAAAAAAAAAAAAAAAhAAAAGAAAABQAAADQSAAAGDkAABZOAACYOgAAEAAAACYAAAAIAAAAAAAAAAAAAAA="/>
               </a:ext>
             </a:extLst>
           </p:cNvSpPr>
@@ -8500,7 +9101,7 @@
             <a:spLocks noChangeArrowheads="1"/>
             <a:extLst>
               <a:ext uri="smNativeData">
-                <pr:smNativeData xmlns="" xmlns:p14="http://schemas.microsoft.com/office/powerpoint/2010/main" xmlns:pr="smNativeData" val="SMDATA_13_eIVQYBMAAAAlAAAAZAAAAA0AAAAAAAAAAAAAAAAAAAAAAAAAAAAAAAAAAAAAAAAAAAEAAABQAAAAAAAAAAAA4D8AAAAAAADgPwAAAAAAAOA/AAAAAAAA4D8AAAAAAADgPwAAAAAAAOA/AAAAAAAA4D8AAAAAAADgPwAAAAAAAOA/AAAAAAAA4D8CAAAAjAAAAAAAAAAAAAAA////AP///wgAAAAAAAAAAAAAAAAAAAAAAAAAAAAAAAAAAAAAeAAAAAEAAABAAAAAAAAAAAAAAABaAAAAAAAAAAAAAAAAAAAAAAAAAAAAAAAAAAAAAAAAAAAAAAAAAAAAAAAAAAAAAAAAAAAAAAAAAAAAAAAAAAAAAAAAAAAAAAAAAAAAFAAAADwAAAAAAAAAAAAAAAAAAAAPAAAAAQAAACMAAAAjAAAAIwAAAB4AAAAAAAAAZAAAAGQAAAAAAAAAZAAAAGQAAAAVAAAAYAAAAAAAAAAAAAAADwAAACADAAAAAAAAAAAAAAEAAACgMgAAVgcAAKr4//8BAAAAf39/AAEAAABkAAAAAAAAABQAAABAHwAAAAAAACYAAAAAAAAAwOD//wAAAAAmAAAAZAAAABYAAABMAAAAAAAAAAAAAAAEAAAAAAAAAAEAAADu7OEKAAAAACgAAAAoAAAAZAAAAGQAAAAAAAAAzMzMAAAAAABQAAAAUAAAAGQAAABkAAAAAAAAABcAAAAUAAAAAAAAAAAAAAD/fwAA/38AAAAAAAAJAAAABAAAAAQEAAAMAAAAEAAAAAAAAAAAAAAAAAAAAAAAAAAeAAAAaAAAAAAAAAAAAAAAAAAAAAAAAAAAAAAAECcAABAnAAAAAAAAAAAAAAAAAAAAAAAAAAAAAAAAAAAAAAAAAAAAABQAAAAAAAAAwMD/AAAAAABkAAAAMgAAAAAAAABkAAAAAAAAAH9/fwAKAAAAHwAAAFQAAAD///8A////AQAAAAAAAAAAAAAAAAAAAAAAAAAAAAAAAAAAAAAAAAAAAAAAAH9/fwDu7OEDzMzMAMDA/wB/f38AAAAAAAAAAAAAAAAAAAAAAAAAAAAhAAAAGAAAABQAAADIBQAAXTYAAMcoAACANwAAEAAAACYAAAAIAAAAAAAAAAAAAAA="/>
+                <pr:smNativeData xmlns:pr="smNativeData" xmlns:p14="http://schemas.microsoft.com/office/powerpoint/2010/main" xmlns="" val="SMDATA_13_eIVQYBMAAAAlAAAAZAAAAA0AAAAAAAAAAAAAAAAAAAAAAAAAAAAAAAAAAAAAAAAAAAEAAABQAAAAAAAAAAAA4D8AAAAAAADgPwAAAAAAAOA/AAAAAAAA4D8AAAAAAADgPwAAAAAAAOA/AAAAAAAA4D8AAAAAAADgPwAAAAAAAOA/AAAAAAAA4D8CAAAAjAAAAAAAAAAAAAAA////AP///wgAAAAAAAAAAAAAAAAAAAAAAAAAAAAAAAAAAAAAeAAAAAEAAABAAAAAAAAAAAAAAABaAAAAAAAAAAAAAAAAAAAAAAAAAAAAAAAAAAAAAAAAAAAAAAAAAAAAAAAAAAAAAAAAAAAAAAAAAAAAAAAAAAAAAAAAAAAAAAAAAAAAFAAAADwAAAAAAAAAAAAAAAAAAAAPAAAAAQAAACMAAAAjAAAAIwAAAB4AAAAAAAAAZAAAAGQAAAAAAAAAZAAAAGQAAAAVAAAAYAAAAAAAAAAAAAAADwAAACADAAAAAAAAAAAAAAEAAACgMgAAVgcAAKr4//8BAAAAf39/AAEAAABkAAAAAAAAABQAAABAHwAAAAAAACYAAAAAAAAAwOD//wAAAAAmAAAAZAAAABYAAABMAAAAAAAAAAAAAAAEAAAAAAAAAAEAAADu7OEKAAAAACgAAAAoAAAAZAAAAGQAAAAAAAAAzMzMAAAAAABQAAAAUAAAAGQAAABkAAAAAAAAABcAAAAUAAAAAAAAAAAAAAD/fwAA/38AAAAAAAAJAAAABAAAAAQEAAAMAAAAEAAAAAAAAAAAAAAAAAAAAAAAAAAeAAAAaAAAAAAAAAAAAAAAAAAAAAAAAAAAAAAAECcAABAnAAAAAAAAAAAAAAAAAAAAAAAAAAAAAAAAAAAAAAAAAAAAABQAAAAAAAAAwMD/AAAAAABkAAAAMgAAAAAAAABkAAAAAAAAAH9/fwAKAAAAHwAAAFQAAAD///8A////AQAAAAAAAAAAAAAAAAAAAAAAAAAAAAAAAAAAAAAAAAAAAAAAAH9/fwDu7OEDzMzMAMDA/wB/f38AAAAAAAAAAAAAAAAAAAAAAAAAAAAhAAAAGAAAABQAAADIBQAAXTYAAMcoAACANwAAEAAAACYAAAAIAAAAAAAAAAAAAAA="/>
               </a:ext>
             </a:extLst>
           </p:cNvSpPr>
@@ -8750,7 +9351,7 @@
             <a:picLocks noChangeAspect="1"/>
             <a:extLst>
               <a:ext uri="smNativeData">
-                <pr:smNativeData xmlns="" xmlns:p14="http://schemas.microsoft.com/office/powerpoint/2010/main" xmlns:pr="smNativeData" val="SMDATA_15_eIVQYBMAAAAlAAAAEQAAAC0AAAAAkAAAAEgAAACQAAAASAAAAAAAAAAAAAAAAAAAAAEAAABQAAAAAAAAAAAA4D8AAAAAAADgPwAAAAAAAOA/AAAAAAAA4D8AAAAAAADgPwAAAAAAAOA/AAAAAAAA4D8AAAAAAADgPwAAAAAAAOA/AAAAAAAA4D8CAAAAjAAAAAAAAAAAAAAAT4G9DP///wgAAAAAAAAAAAAAAAAAAAAAAAAAAAAAAAAAAAAAZAAAAAEAAABAAAAAAAAAAAAAAAAAAAAAAAAAAAAAAAAAAAAAAAAAAAAAAAAAAAAAAAAAAAAAAAAAAAAAAAAAAAAAAAAAAAAAAAAAAAAAAAAAAAAAAAAAAAAAAAAAAAAAFAAAADwAAAAAAAAAAAAAAAAAAAkUAAAAAQAAABQAAAAUAAAAFAAAAAEAAAAAAAAAZAAAAGQAAAAAAAAAZAAAAGQAAAAVAAAAYAAAAAAAAAAAAAAADwAAACADAAAAAAAAAAAAAAEAAACgMgAAVgcAAKr4//8BAAAAf39/AAEAAABkAAAAAAAAABQAAABAHwAAAAAAACYAAAAAAAAAwOD//wAAAAAmAAAAZAAAABYAAABMAAAAAAAAAAAAAAAEAAAAAAAAAAEAAADu7OEKAAAAACgAAAAoAAAAZAAAAGQAAAAAAAAAzMzMAAAAAABQAAAAUAAAAGQAAABkAAAAAAAAAAcAAAA4AAAAAAAAAAAAAAAAAAAA////AAAAAAAAAAAAAAAAAAAAAAAAAAAAAAAAAAAAAABkAAAAZAAAAAAAAAAjAAAABAAAAGQAAAAXAAAAFAAAAAAAAAAAAAAA/38AAP9/AAAAAAAACQAAAAQAAAAAAAAADAAAABAAAAAAAAAAAAAAAAAAAAAAAAAAHgAAAGgAAAAAAAAAAAAAAAAAAAAAAAAAAAAAABAnAAAQJwAAAAAAAAAAAAAAAAAAAAAAAAAAAAAAAAAAAAAAAAAAAAAUAAAAAAAAAMDA/wAAAAAAZAAAADIAAAAAAAAAZAAAAAAAAAB/f38ACgAAAB8AAABUAAAAT4G9Bf///wEAAAAAAAAAAAAAAAAAAAAAAAAAAAAAAAAAAAAAAAAAAAAAAAJ/f38A7uzhA8zMzADAwP8Af39/AAAAAAAAAAAAAAAAAP///wAAAAAAIQAAABgAAAAUAAAAuD4AAKUSAABzSwAAYB8AABAAAAAmAAAACAAAAP//////////"/>
+                <pr:smNativeData xmlns:pr="smNativeData" xmlns:p14="http://schemas.microsoft.com/office/powerpoint/2010/main" xmlns="" val="SMDATA_15_eIVQYBMAAAAlAAAAEQAAAC0AAAAAkAAAAEgAAACQAAAASAAAAAAAAAAAAAAAAAAAAAEAAABQAAAAAAAAAAAA4D8AAAAAAADgPwAAAAAAAOA/AAAAAAAA4D8AAAAAAADgPwAAAAAAAOA/AAAAAAAA4D8AAAAAAADgPwAAAAAAAOA/AAAAAAAA4D8CAAAAjAAAAAAAAAAAAAAAT4G9DP///wgAAAAAAAAAAAAAAAAAAAAAAAAAAAAAAAAAAAAAZAAAAAEAAABAAAAAAAAAAAAAAAAAAAAAAAAAAAAAAAAAAAAAAAAAAAAAAAAAAAAAAAAAAAAAAAAAAAAAAAAAAAAAAAAAAAAAAAAAAAAAAAAAAAAAAAAAAAAAAAAAAAAAFAAAADwAAAAAAAAAAAAAAAAAAAkUAAAAAQAAABQAAAAUAAAAFAAAAAEAAAAAAAAAZAAAAGQAAAAAAAAAZAAAAGQAAAAVAAAAYAAAAAAAAAAAAAAADwAAACADAAAAAAAAAAAAAAEAAACgMgAAVgcAAKr4//8BAAAAf39/AAEAAABkAAAAAAAAABQAAABAHwAAAAAAACYAAAAAAAAAwOD//wAAAAAmAAAAZAAAABYAAABMAAAAAAAAAAAAAAAEAAAAAAAAAAEAAADu7OEKAAAAACgAAAAoAAAAZAAAAGQAAAAAAAAAzMzMAAAAAABQAAAAUAAAAGQAAABkAAAAAAAAAAcAAAA4AAAAAAAAAAAAAAAAAAAA////AAAAAAAAAAAAAAAAAAAAAAAAAAAAAAAAAAAAAABkAAAAZAAAAAAAAAAjAAAABAAAAGQAAAAXAAAAFAAAAAAAAAAAAAAA/38AAP9/AAAAAAAACQAAAAQAAAAAAAAADAAAABAAAAAAAAAAAAAAAAAAAAAAAAAAHgAAAGgAAAAAAAAAAAAAAAAAAAAAAAAAAAAAABAnAAAQJwAAAAAAAAAAAAAAAAAAAAAAAAAAAAAAAAAAAAAAAAAAAAAUAAAAAAAAAMDA/wAAAAAAZAAAADIAAAAAAAAAZAAAAAAAAAB/f38ACgAAAB8AAABUAAAAT4G9Bf///wEAAAAAAAAAAAAAAAAAAAAAAAAAAAAAAAAAAAAAAAAAAAAAAAJ/f38A7uzhA8zMzADAwP8Af39/AAAAAAAAAAAAAAAAAP///wAAAAAAIQAAABgAAAAUAAAAuD4AAKUSAABzSwAAYB8AABAAAAAmAAAACAAAAP//////////"/>
               </a:ext>
             </a:extLst>
           </p:cNvPicPr>
@@ -8814,7 +9415,7 @@
             <a:spLocks noGrp="1" noChangeArrowheads="1"/>
             <a:extLst>
               <a:ext uri="smNativeData">
-                <pr:smNativeData xmlns:pr="smNativeData" xmlns:p14="http://schemas.microsoft.com/office/powerpoint/2010/main" xmlns="" val="SMDATA_13_eIVQYBMAAAAlAAAAZAAAAA0AAAAAAAAAAAAAAAAAAAAAAAAAAAAAAAAAAAAAAAAAAAEAAABQAAAAAAAAAAAA4D8AAAAAAADgPwAAAAAAAOA/AAAAAAAA4D8AAAAAAADgPwAAAAAAAOA/AAAAAAAA4D8AAAAAAADgPwAAAAAAAOA/AAAAAAAA4D8CAAAAjAAAAAAAAAAAAAAA////AP///wgAAAAAAAAAAAAAAAAAAAAAAAAAAAAAAAAAAAAAeAAAAAEAAABAAAAAAAAAAAAAAABaAAAAAAAAAAAAAAAAAAAAAAAAAAAAAAAAAAAAAAAAAAAAAAAAAAAAAAAAAAAAAAAAAAAAAAAAAAAAAAAAAAAAAAAAAAAAAAAAAAAAFAAAADwAAAAAAAAAAAAAAAAAAAAPAAAAAQAAACMAAAAjAAAAIwAAAB4AAAAAAAAAZAAAAGQAAAAAAAAAZAAAAGQAAAAVAAAAYAAAAAAAAAAAAAAADwAAACADAAAAAAAAAAAAAAEAAACgMgAAVgcAAKr4//8BAAAAf39/AAEAAABkAAAAAAAAABQAAABAHwAAAAAAACYAAAAAAAAAwOD//wAAAAAmAAAAZAAAABYAAABMAAAAAAAAAAAAAAAEAAAAAAAAAAEAAADu7OEKAAAAACgAAAAoAAAAZAAAAGQAAAAAAAAAzMzMAAAAAABQAAAAUAAAAGQAAABkAAAAAAAAABcAAAAUAAAAAAAAAAAAAAD/fwAA/38AAAAAAAAJAAAABAAAAAAAAAAMAAAAEAAAAAAAAAAAAAAAAAAAAAAAAAAeAAAAaAAAAAAAAAAAAAAAAAAAAAAAAAAAAAAAECcAABAnAAAAAAAAAAAAAAAAAAAAAAAAAAAAAAAAAAAAAAAAAAAAABQAAAAAAAAAwMD/AAAAAABkAAAAMgAAAAAAAABkAAAAAAAAAH9/fwAKAAAAHwAAAFQAAAD///8A////AQAAAAAAAAAAAAAAAAAAAAAAAAAAAAAAAAAAAAAAAAAAAAAAAH9/fwDu7OEDzMzMAMDA/wB/f38AAAAAAAAAAAAAAAAAAAAAAAAAAAAhAAAAGAAAABQAAADIBQAAiQsAAHpIAACpDwAAEAAAACYAAAAIAAAAAQAAAAAAAAA="/>
+                <pr:smNativeData xmlns="" xmlns:p14="http://schemas.microsoft.com/office/powerpoint/2010/main" xmlns:pr="smNativeData" val="SMDATA_13_eIVQYBMAAAAlAAAAZAAAAA0AAAAAAAAAAAAAAAAAAAAAAAAAAAAAAAAAAAAAAAAAAAEAAABQAAAAAAAAAAAA4D8AAAAAAADgPwAAAAAAAOA/AAAAAAAA4D8AAAAAAADgPwAAAAAAAOA/AAAAAAAA4D8AAAAAAADgPwAAAAAAAOA/AAAAAAAA4D8CAAAAjAAAAAAAAAAAAAAA////AP///wgAAAAAAAAAAAAAAAAAAAAAAAAAAAAAAAAAAAAAeAAAAAEAAABAAAAAAAAAAAAAAABaAAAAAAAAAAAAAAAAAAAAAAAAAAAAAAAAAAAAAAAAAAAAAAAAAAAAAAAAAAAAAAAAAAAAAAAAAAAAAAAAAAAAAAAAAAAAAAAAAAAAFAAAADwAAAAAAAAAAAAAAAAAAAAPAAAAAQAAACMAAAAjAAAAIwAAAB4AAAAAAAAAZAAAAGQAAAAAAAAAZAAAAGQAAAAVAAAAYAAAAAAAAAAAAAAADwAAACADAAAAAAAAAAAAAAEAAACgMgAAVgcAAKr4//8BAAAAf39/AAEAAABkAAAAAAAAABQAAABAHwAAAAAAACYAAAAAAAAAwOD//wAAAAAmAAAAZAAAABYAAABMAAAAAAAAAAAAAAAEAAAAAAAAAAEAAADu7OEKAAAAACgAAAAoAAAAZAAAAGQAAAAAAAAAzMzMAAAAAABQAAAAUAAAAGQAAABkAAAAAAAAABcAAAAUAAAAAAAAAAAAAAD/fwAA/38AAAAAAAAJAAAABAAAAAAAAAAMAAAAEAAAAAAAAAAAAAAAAAAAAAAAAAAeAAAAaAAAAAAAAAAAAAAAAAAAAAAAAAAAAAAAECcAABAnAAAAAAAAAAAAAAAAAAAAAAAAAAAAAAAAAAAAAAAAAAAAABQAAAAAAAAAwMD/AAAAAABkAAAAMgAAAAAAAABkAAAAAAAAAH9/fwAKAAAAHwAAAFQAAAD///8A////AQAAAAAAAAAAAAAAAAAAAAAAAAAAAAAAAAAAAAAAAAAAAAAAAH9/fwDu7OEDzMzMAMDA/wB/f38AAAAAAAAAAAAAAAAAAAAAAAAAAAAhAAAAGAAAABQAAADIBQAAiQsAAHpIAACpDwAAEAAAACYAAAAIAAAAAQAAAAAAAAA="/>
               </a:ext>
             </a:extLst>
           </p:cNvSpPr>
@@ -8848,7 +9449,7 @@
             <a:spLocks noGrp="1" noChangeArrowheads="1"/>
             <a:extLst>
               <a:ext uri="smNativeData">
-                <pr:smNativeData xmlns:pr="smNativeData" xmlns:p14="http://schemas.microsoft.com/office/powerpoint/2010/main" xmlns="" val="SMDATA_13_eIVQYBMAAAAlAAAAZAAAAA0AAAAAAAAAAAAAAAAAAAAAAAAAAAAAAAAAAAAAAAAAAAEAAABQAAAAAAAAAAAA4D8AAAAAAADgPwAAAAAAAOA/AAAAAAAA4D8AAAAAAADgPwAAAAAAAOA/AAAAAAAA4D8AAAAAAADgPwAAAAAAAOA/AAAAAAAA4D8CAAAAjAAAAAAAAAAAAAAA////AP///wgAAAAAAAAAAAAAAAAAAAAAAAAAAAAAAAAAAAAAeAAAAAEAAABAAAAAAAAAAAAAAABaAAAAAAAAAAAAAAAAAAAAAAAAAAAAAAAAAAAAAAAAAAAAAAAAAAAAAAAAAAAAAAAAAAAAAAAAAAAAAAAAAAAAAAAAAAAAAAAAAAAAFAAAADwAAAAAAAAAAAAAAAAAAAAPAAAAAQAAACMAAAAjAAAAIwAAAB4AAAAAAAAAZAAAAGQAAAAAAAAAZAAAAGQAAAAVAAAAYAAAAAAAAAAAAAAADwAAACADAAAAAAAAAAAAAAEAAACgMgAAVgcAAKr4//8BAAAAf39/AAEAAABkAAAAAAAAABQAAABAHwAAAAAAACYAAAAAAAAAwOD//wAAAAAmAAAAZAAAABYAAABMAAAAAAAAAAAAAAAEAAAAAAAAAAEAAADu7OEKAAAAACgAAAAoAAAAZAAAAGQAAAAAAAAAzMzMAAAAAABQAAAAUAAAAGQAAABkAAAAAAAAABcAAAAUAAAAAAAAAAAAAAD/fwAA/38AAAAAAAAJAAAABAAAAAAAAAAMAAAAEAAAAAAAAAAAAAAAAAAAAAAAAAAeAAAAaAAAAAAAAAAAAAAAAAAAAAAAAAAAAAAAECcAABAnAAAAAAAAAAAAAAAAAAAAAAAAAAAAAAAAAAAAAAAAAAAAABQAAAAAAAAAwMD/AAAAAABkAAAAMgAAAAAAAABkAAAAAAAAAH9/fwAKAAAAHwAAAFQAAAD///8A////AQAAAAAAAAAAAAAAAAAAAAAAAAAAAAAAAAAAAAAAAAAAAAAAAH9/fwDu7OEDzMzMAMDA/wB/f38AAAAAAAAAAAAAAAAAAAAAAAAAAAAhAAAAGAAAABQAAADIBQAAwBIAAHpIAACYNwAAEAAAACYAAAAIAAAAAYAAAAAAAAA="/>
+                <pr:smNativeData xmlns="" xmlns:p14="http://schemas.microsoft.com/office/powerpoint/2010/main" xmlns:pr="smNativeData" val="SMDATA_13_eIVQYBMAAAAlAAAAZAAAAA0AAAAAAAAAAAAAAAAAAAAAAAAAAAAAAAAAAAAAAAAAAAEAAABQAAAAAAAAAAAA4D8AAAAAAADgPwAAAAAAAOA/AAAAAAAA4D8AAAAAAADgPwAAAAAAAOA/AAAAAAAA4D8AAAAAAADgPwAAAAAAAOA/AAAAAAAA4D8CAAAAjAAAAAAAAAAAAAAA////AP///wgAAAAAAAAAAAAAAAAAAAAAAAAAAAAAAAAAAAAAeAAAAAEAAABAAAAAAAAAAAAAAABaAAAAAAAAAAAAAAAAAAAAAAAAAAAAAAAAAAAAAAAAAAAAAAAAAAAAAAAAAAAAAAAAAAAAAAAAAAAAAAAAAAAAAAAAAAAAAAAAAAAAFAAAADwAAAAAAAAAAAAAAAAAAAAPAAAAAQAAACMAAAAjAAAAIwAAAB4AAAAAAAAAZAAAAGQAAAAAAAAAZAAAAGQAAAAVAAAAYAAAAAAAAAAAAAAADwAAACADAAAAAAAAAAAAAAEAAACgMgAAVgcAAKr4//8BAAAAf39/AAEAAABkAAAAAAAAABQAAABAHwAAAAAAACYAAAAAAAAAwOD//wAAAAAmAAAAZAAAABYAAABMAAAAAAAAAAAAAAAEAAAAAAAAAAEAAADu7OEKAAAAACgAAAAoAAAAZAAAAGQAAAAAAAAAzMzMAAAAAABQAAAAUAAAAGQAAABkAAAAAAAAABcAAAAUAAAAAAAAAAAAAAD/fwAA/38AAAAAAAAJAAAABAAAAAAAAAAMAAAAEAAAAAAAAAAAAAAAAAAAAAAAAAAeAAAAaAAAAAAAAAAAAAAAAAAAAAAAAAAAAAAAECcAABAnAAAAAAAAAAAAAAAAAAAAAAAAAAAAAAAAAAAAAAAAAAAAABQAAAAAAAAAwMD/AAAAAABkAAAAMgAAAAAAAABkAAAAAAAAAH9/fwAKAAAAHwAAAFQAAAD///8A////AQAAAAAAAAAAAAAAAAAAAAAAAAAAAAAAAAAAAAAAAAAAAAAAAH9/fwDu7OEDzMzMAMDA/wB/f38AAAAAAAAAAAAAAAAAAAAAAAAAAAAhAAAAGAAAABQAAADIBQAAwBIAAHpIAACYNwAAEAAAACYAAAAIAAAAAYAAAAAAAAA="/>
               </a:ext>
             </a:extLst>
           </p:cNvSpPr>
@@ -9037,7 +9638,7 @@
             <a:spLocks noGrp="1" noChangeArrowheads="1"/>
             <a:extLst>
               <a:ext uri="smNativeData">
-                <pr:smNativeData xmlns:pr="smNativeData" xmlns:p14="http://schemas.microsoft.com/office/powerpoint/2010/main" xmlns="" val="SMDATA_13_eIVQYBMAAAAlAAAAZAAAAA0AAAAAAAAAAAAAAAAAAAAAAAAAAAAAAAAAAAAAAAAAAAEAAABQAAAAAAAAAAAA4D8AAAAAAADgPwAAAAAAAOA/AAAAAAAA4D8AAAAAAADgPwAAAAAAAOA/AAAAAAAA4D8AAAAAAADgPwAAAAAAAOA/AAAAAAAA4D8CAAAAjAAAAAAAAAAAAAAA////AP///wgAAAAAAAAAAAAAAAAAAAAAAAAAAAAAAAAAAAAAeAAAAAEAAABAAAAAAAAAAAAAAABaAAAAAAAAAAAAAAAAAAAAAAAAAAAAAAAAAAAAAAAAAAAAAAAAAAAAAAAAAAAAAAAAAAAAAAAAAAAAAAAAAAAAAAAAAAAAAAAAAAAAFAAAADwAAAAAAAAAAAAAAAAAAAAPAAAAAQAAACMAAAAjAAAAIwAAAB4AAAAAAAAAZAAAAGQAAAAAAAAAZAAAAGQAAAAVAAAAYAAAAAAAAAAAAAAADwAAACADAAAAAAAAAAAAAAEAAACgMgAAVgcAAKr4//8BAAAAf39/AAEAAABkAAAAAAAAABQAAABAHwAAAAAAACYAAAAAAAAAwOD//wAAAAAmAAAAZAAAABYAAABMAAAAAAAAAAAAAAAEAAAAAAAAAAEAAADu7OEKAAAAACgAAAAoAAAAZAAAAGQAAAAAAAAAzMzMAAAAAABQAAAAUAAAAGQAAABkAAAAAAAAABcAAAAUAAAAAAAAAAAAAAD/fwAA/38AAAAAAAAJAAAABAAAAAAAAAAMAAAAEAAAAAAAAAAAAAAAAAAAAAAAAAAeAAAAaAAAAAAAAAAAAAAAAAAAAAAAAAAAAAAAECcAABAnAAAAAAAAAAAAAAAAAAAAAAAAAAAAAAAAAAAAAAAAAAAAABQAAAAAAAAAwMD/AAAAAABkAAAAMgAAAAAAAABkAAAAAAAAAH9/fwAKAAAAHwAAAFQAAAD///8A////AQAAAAAAAAAAAAAAAAAAAAAAAAAAAAAAAAAAAAAAAAAAAAAAAH9/fwDu7OEDzMzMAMDA/wB/f38AAAAAAAAAAAAAAAAAAAAAAAAAAAAhAAAAGAAAABQAAADqAQAA4DgAAPAKAACYOgAAEAAAACYAAAAIAAAAAAAAAAAAAAA="/>
+                <pr:smNativeData xmlns="" xmlns:p14="http://schemas.microsoft.com/office/powerpoint/2010/main" xmlns:pr="smNativeData" val="SMDATA_13_eIVQYBMAAAAlAAAAZAAAAA0AAAAAAAAAAAAAAAAAAAAAAAAAAAAAAAAAAAAAAAAAAAEAAABQAAAAAAAAAAAA4D8AAAAAAADgPwAAAAAAAOA/AAAAAAAA4D8AAAAAAADgPwAAAAAAAOA/AAAAAAAA4D8AAAAAAADgPwAAAAAAAOA/AAAAAAAA4D8CAAAAjAAAAAAAAAAAAAAA////AP///wgAAAAAAAAAAAAAAAAAAAAAAAAAAAAAAAAAAAAAeAAAAAEAAABAAAAAAAAAAAAAAABaAAAAAAAAAAAAAAAAAAAAAAAAAAAAAAAAAAAAAAAAAAAAAAAAAAAAAAAAAAAAAAAAAAAAAAAAAAAAAAAAAAAAAAAAAAAAAAAAAAAAFAAAADwAAAAAAAAAAAAAAAAAAAAPAAAAAQAAACMAAAAjAAAAIwAAAB4AAAAAAAAAZAAAAGQAAAAAAAAAZAAAAGQAAAAVAAAAYAAAAAAAAAAAAAAADwAAACADAAAAAAAAAAAAAAEAAACgMgAAVgcAAKr4//8BAAAAf39/AAEAAABkAAAAAAAAABQAAABAHwAAAAAAACYAAAAAAAAAwOD//wAAAAAmAAAAZAAAABYAAABMAAAAAAAAAAAAAAAEAAAAAAAAAAEAAADu7OEKAAAAACgAAAAoAAAAZAAAAGQAAAAAAAAAzMzMAAAAAABQAAAAUAAAAGQAAABkAAAAAAAAABcAAAAUAAAAAAAAAAAAAAD/fwAA/38AAAAAAAAJAAAABAAAAAAAAAAMAAAAEAAAAAAAAAAAAAAAAAAAAAAAAAAeAAAAaAAAAAAAAAAAAAAAAAAAAAAAAAAAAAAAECcAABAnAAAAAAAAAAAAAAAAAAAAAAAAAAAAAAAAAAAAAAAAAAAAABQAAAAAAAAAwMD/AAAAAABkAAAAMgAAAAAAAABkAAAAAAAAAH9/fwAKAAAAHwAAAFQAAAD///8A////AQAAAAAAAAAAAAAAAAAAAAAAAAAAAAAAAAAAAAAAAAAAAAAAAH9/fwDu7OEDzMzMAMDA/wB/f38AAAAAAAAAAAAAAAAAAAAAAAAAAAAhAAAAGAAAABQAAADqAQAA4DgAAPAKAACYOgAAEAAAACYAAAAIAAAAAAAAAAAAAAA="/>
               </a:ext>
             </a:extLst>
           </p:cNvSpPr>
@@ -9066,7 +9667,7 @@
             <a:spLocks noGrp="1" noChangeArrowheads="1"/>
             <a:extLst>
               <a:ext uri="smNativeData">
-                <pr:smNativeData xmlns:pr="smNativeData" xmlns:p14="http://schemas.microsoft.com/office/powerpoint/2010/main" xmlns="" val="SMDATA_13_eIVQYBMAAAAlAAAAZAAAAA0AAAAAAAAAAAAAAAAAAAAAAAAAAAAAAAAAAAAAAAAAAAEAAABQAAAAAAAAAAAA4D8AAAAAAADgPwAAAAAAAOA/AAAAAAAA4D8AAAAAAADgPwAAAAAAAOA/AAAAAAAA4D8AAAAAAADgPwAAAAAAAOA/AAAAAAAA4D8CAAAAjAAAAAAAAAAAAAAA////AP///wgAAAAAAAAAAAAAAAAAAAAAAAAAAAAAAAAAAAAAeAAAAAEAAABAAAAAAAAAAAAAAABaAAAAAAAAAAAAAAAAAAAAAAAAAAAAAAAAAAAAAAAAAAAAAAAAAAAAAAAAAAAAAAAAAAAAAAAAAAAAAAAAAAAAAAAAAAAAAAAAAAAAFAAAADwAAAAAAAAAAAAAAAAAAAAPAAAAAQAAACMAAAAjAAAAIwAAAB4AAAAAAAAAZAAAAGQAAAAAAAAAZAAAAGQAAAAVAAAAYAAAAAAAAAAAAAAADwAAACADAAAAAAAAAAAAAAEAAACgMgAAVgcAAKr4//8BAAAAf39/AAEAAABkAAAAAAAAABQAAABAHwAAAAAAACYAAAAAAAAAwOD//wAAAAAmAAAAZAAAABYAAABMAAAAAAAAAAAAAAAEAAAAAAAAAAEAAADu7OEKAAAAACgAAAAoAAAAZAAAAGQAAAAAAAAAzMzMAAAAAABQAAAAUAAAAGQAAABkAAAAAAAAABcAAAAUAAAAAAAAAAAAAAD/fwAA/38AAAAAAAAJAAAABAAAAAAAAAAMAAAAEAAAAAAAAAAAAAAAAAAAAAAAAAAeAAAAaAAAAAAAAAAAAAAAAAAAAAAAAAAAAAAAECcAABAnAAAAAAAAAAAAAAAAAAAAAAAAAAAAAAAAAAAAAAAAAAAAABQAAAAAAAAAwMD/AAAAAABkAAAAMgAAAAAAAABkAAAAAAAAAH9/fwAKAAAAHwAAAFQAAAD///8A////AQAAAAAAAAAAAAAAAAAAAAAAAAAAAAAAAAAAAAAAAAAAAAAAAH9/fwDu7OEDzMzMAMDA/wB/f38AAAAAAAAAAAAAAAAAAAAAAAAAAAAhAAAAGAAAABQAAADQSAAAGDkAABZOAACYOgAAEAAAACYAAAAIAAAAAAAAAAAAAAA="/>
+                <pr:smNativeData xmlns="" xmlns:p14="http://schemas.microsoft.com/office/powerpoint/2010/main" xmlns:pr="smNativeData" val="SMDATA_13_eIVQYBMAAAAlAAAAZAAAAA0AAAAAAAAAAAAAAAAAAAAAAAAAAAAAAAAAAAAAAAAAAAEAAABQAAAAAAAAAAAA4D8AAAAAAADgPwAAAAAAAOA/AAAAAAAA4D8AAAAAAADgPwAAAAAAAOA/AAAAAAAA4D8AAAAAAADgPwAAAAAAAOA/AAAAAAAA4D8CAAAAjAAAAAAAAAAAAAAA////AP///wgAAAAAAAAAAAAAAAAAAAAAAAAAAAAAAAAAAAAAeAAAAAEAAABAAAAAAAAAAAAAAABaAAAAAAAAAAAAAAAAAAAAAAAAAAAAAAAAAAAAAAAAAAAAAAAAAAAAAAAAAAAAAAAAAAAAAAAAAAAAAAAAAAAAAAAAAAAAAAAAAAAAFAAAADwAAAAAAAAAAAAAAAAAAAAPAAAAAQAAACMAAAAjAAAAIwAAAB4AAAAAAAAAZAAAAGQAAAAAAAAAZAAAAGQAAAAVAAAAYAAAAAAAAAAAAAAADwAAACADAAAAAAAAAAAAAAEAAACgMgAAVgcAAKr4//8BAAAAf39/AAEAAABkAAAAAAAAABQAAABAHwAAAAAAACYAAAAAAAAAwOD//wAAAAAmAAAAZAAAABYAAABMAAAAAAAAAAAAAAAEAAAAAAAAAAEAAADu7OEKAAAAACgAAAAoAAAAZAAAAGQAAAAAAAAAzMzMAAAAAABQAAAAUAAAAGQAAABkAAAAAAAAABcAAAAUAAAAAAAAAAAAAAD/fwAA/38AAAAAAAAJAAAABAAAAAAAAAAMAAAAEAAAAAAAAAAAAAAAAAAAAAAAAAAeAAAAaAAAAAAAAAAAAAAAAAAAAAAAAAAAAAAAECcAABAnAAAAAAAAAAAAAAAAAAAAAAAAAAAAAAAAAAAAAAAAAAAAABQAAAAAAAAAwMD/AAAAAABkAAAAMgAAAAAAAABkAAAAAAAAAH9/fwAKAAAAHwAAAFQAAAD///8A////AQAAAAAAAAAAAAAAAAAAAAAAAAAAAAAAAAAAAAAAAAAAAAAAAH9/fwDu7OEDzMzMAMDA/wB/f38AAAAAAAAAAAAAAAAAAAAAAAAAAAAhAAAAGAAAABQAAADQSAAAGDkAABZOAACYOgAAEAAAACYAAAAIAAAAAAAAAAAAAAA="/>
               </a:ext>
             </a:extLst>
           </p:cNvSpPr>
@@ -9121,7 +9722,7 @@
             <a:spLocks noGrp="1" noChangeArrowheads="1"/>
             <a:extLst>
               <a:ext uri="smNativeData">
-                <pr:smNativeData xmlns:pr="smNativeData" xmlns:p14="http://schemas.microsoft.com/office/powerpoint/2010/main" xmlns="" val="SMDATA_13_eIVQYBMAAAAlAAAAZAAAAA0AAAAAAAAAAAAAAAAAAAAAAAAAAAAAAAAAAAAAAAAAAAEAAABQAAAAAAAAAAAA4D8AAAAAAADgPwAAAAAAAOA/AAAAAAAA4D8AAAAAAADgPwAAAAAAAOA/AAAAAAAA4D8AAAAAAADgPwAAAAAAAOA/AAAAAAAA4D8CAAAAjAAAAAAAAAAAAAAA////AP///wgAAAAAAAAAAAAAAAAAAAAAAAAAAAAAAAAAAAAAeAAAAAEAAABAAAAAAAAAAAAAAABaAAAAAAAAAAAAAAAAAAAAAAAAAAAAAAAAAAAAAAAAAAAAAAAAAAAAAAAAAAAAAAAAAAAAAAAAAAAAAAAAAAAAAAAAAAAAAAAAAAAAFAAAADwAAAAAAAAAAAAAAAAAAAAPAAAAAQAAACMAAAAjAAAAIwAAAB4AAAAAAAAAZAAAAGQAAAAAAAAAZAAAAGQAAAAVAAAAYAAAAAAAAAAAAAAADwAAACADAAAAAAAAAAAAAAEAAACgMgAAVgcAAKr4//8BAAAAf39/AAEAAABkAAAAAAAAABQAAABAHwAAAAAAACYAAAAAAAAAwOD//wAAAAAmAAAAZAAAABYAAABMAAAAAAAAAAAAAAAEAAAAAAAAAAEAAADu7OEKAAAAACgAAAAoAAAAZAAAAGQAAAAAAAAAzMzMAAAAAABQAAAAUAAAAGQAAABkAAAAAAAAABcAAAAUAAAAAAAAAAAAAAD/fwAA/38AAAAAAAAJAAAABAAAAEEAQQAMAAAAEAAAAAAAAAAAAAAAAAAAAAAAAAAeAAAAaAAAAAAAAAAAAAAAAAAAAAAAAAAAAAAAECcAABAnAAAAAAAAAAAAAAAAAAAAAAAAAAAAAAAAAAAAAAAAAAAAABQAAAAAAAAAwMD/AAAAAABkAAAAMgAAAAAAAABkAAAAAAAAAH9/fwAKAAAAHwAAAFQAAAD///8A////AQAAAAAAAAAAAAAAAAAAAAAAAAAAAAAAAAAAAAAAAAAAAAAAAH9/fwDu7OEDzMzMAMDA/wB/f38AAAAAAAAAAAAAAAAAAAAAAAAAAAAhAAAAGAAAABQAAADIBQAAiQsAAHpIAACpDwAAEAAAACYAAAAIAAAAAQAAAAAAAAA="/>
+                <pr:smNativeData xmlns="" xmlns:p14="http://schemas.microsoft.com/office/powerpoint/2010/main" xmlns:pr="smNativeData" val="SMDATA_13_eIVQYBMAAAAlAAAAZAAAAA0AAAAAAAAAAAAAAAAAAAAAAAAAAAAAAAAAAAAAAAAAAAEAAABQAAAAAAAAAAAA4D8AAAAAAADgPwAAAAAAAOA/AAAAAAAA4D8AAAAAAADgPwAAAAAAAOA/AAAAAAAA4D8AAAAAAADgPwAAAAAAAOA/AAAAAAAA4D8CAAAAjAAAAAAAAAAAAAAA////AP///wgAAAAAAAAAAAAAAAAAAAAAAAAAAAAAAAAAAAAAeAAAAAEAAABAAAAAAAAAAAAAAABaAAAAAAAAAAAAAAAAAAAAAAAAAAAAAAAAAAAAAAAAAAAAAAAAAAAAAAAAAAAAAAAAAAAAAAAAAAAAAAAAAAAAAAAAAAAAAAAAAAAAFAAAADwAAAAAAAAAAAAAAAAAAAAPAAAAAQAAACMAAAAjAAAAIwAAAB4AAAAAAAAAZAAAAGQAAAAAAAAAZAAAAGQAAAAVAAAAYAAAAAAAAAAAAAAADwAAACADAAAAAAAAAAAAAAEAAACgMgAAVgcAAKr4//8BAAAAf39/AAEAAABkAAAAAAAAABQAAABAHwAAAAAAACYAAAAAAAAAwOD//wAAAAAmAAAAZAAAABYAAABMAAAAAAAAAAAAAAAEAAAAAAAAAAEAAADu7OEKAAAAACgAAAAoAAAAZAAAAGQAAAAAAAAAzMzMAAAAAABQAAAAUAAAAGQAAABkAAAAAAAAABcAAAAUAAAAAAAAAAAAAAD/fwAA/38AAAAAAAAJAAAABAAAAEEAQQAMAAAAEAAAAAAAAAAAAAAAAAAAAAAAAAAeAAAAaAAAAAAAAAAAAAAAAAAAAAAAAAAAAAAAECcAABAnAAAAAAAAAAAAAAAAAAAAAAAAAAAAAAAAAAAAAAAAAAAAABQAAAAAAAAAwMD/AAAAAABkAAAAMgAAAAAAAABkAAAAAAAAAH9/fwAKAAAAHwAAAFQAAAD///8A////AQAAAAAAAAAAAAAAAAAAAAAAAAAAAAAAAAAAAAAAAAAAAAAAAH9/fwDu7OEDzMzMAMDA/wB/f38AAAAAAAAAAAAAAAAAAAAAAAAAAAAhAAAAGAAAABQAAADIBQAAiQsAAHpIAACpDwAAEAAAACYAAAAIAAAAAQAAAAAAAAA="/>
               </a:ext>
             </a:extLst>
           </p:cNvSpPr>
@@ -9155,7 +9756,7 @@
             <a:spLocks noGrp="1" noChangeArrowheads="1"/>
             <a:extLst>
               <a:ext uri="smNativeData">
-                <pr:smNativeData xmlns:pr="smNativeData" xmlns:p14="http://schemas.microsoft.com/office/powerpoint/2010/main" xmlns="" val="SMDATA_13_eIVQYBMAAAAlAAAAZAAAAA0AAAAAAAAAAAAAAAAAAAAAAAAAAAAAAAAAAAAAAAAAAAEAAABQAAAAAAAAAAAA4D8AAAAAAADgPwAAAAAAAOA/AAAAAAAA4D8AAAAAAADgPwAAAAAAAOA/AAAAAAAA4D8AAAAAAADgPwAAAAAAAOA/AAAAAAAA4D8CAAAAjAAAAAAAAAAAAAAA////AP///wgAAAAAAAAAAAAAAAAAAAAAAAAAAAAAAAAAAAAAeAAAAAEAAABAAAAAAAAAAAAAAABaAAAAAAAAAAAAAAAAAAAAAAAAAAAAAAAAAAAAAAAAAAAAAAAAAAAAAAAAAAAAAAAAAAAAAAAAAAAAAAAAAAAAAAAAAAAAAAAAAAAAFAAAADwAAAAAAAAAAAAAAAAAAAAPAAAAAQAAACMAAAAjAAAAIwAAAB4AAAAAAAAAZAAAAGQAAAAAAAAAZAAAAGQAAAAVAAAAYAAAAAAAAAAAAAAADwAAACADAAAAAAAAAAAAAAEAAACgMgAAVgcAAKr4//8BAAAAf39/AAEAAABkAAAAAAAAABQAAABAHwAAAAAAACYAAAAAAAAAwOD//wAAAAAmAAAAZAAAABYAAABMAAAAAAAAAAAAAAAEAAAAAAAAAAEAAADu7OEKAAAAACgAAAAoAAAAZAAAAGQAAAAAAAAAzMzMAAAAAABQAAAAUAAAAGQAAABkAAAAAAAAABcAAAAUAAAAAAAAAAAAAAD/fwAA/38AAAAAAAAJAAAABAAAAEEAQQAMAAAAEAAAAAAAAAAAAAAAAAAAAAAAAAAeAAAAaAAAAAAAAAAAAAAAAAAAAAAAAAAAAAAAECcAABAnAAAAAAAAAAAAAAAAAAAAAAAAAAAAAAAAAAAAAAAAAAAAABQAAAAAAAAAwMD/AAAAAABkAAAAMgAAAAAAAABkAAAAAAAAAH9/fwAKAAAAHwAAAFQAAAD///8A////AQAAAAAAAAAAAAAAAAAAAAAAAAAAAAAAAAAAAAAAAAAAAAAAAH9/fwDu7OEDzMzMAMDA/wB/f38AAAAAAAAAAAAAAAAAAAAAAAAAAAAhAAAAGAAAABQAAADIBQAAwBIAAJJIAADKLgAAAAAAACYAAAAIAAAAAYAAAAAAAAA="/>
+                <pr:smNativeData xmlns="" xmlns:p14="http://schemas.microsoft.com/office/powerpoint/2010/main" xmlns:pr="smNativeData" val="SMDATA_13_eIVQYBMAAAAlAAAAZAAAAA0AAAAAAAAAAAAAAAAAAAAAAAAAAAAAAAAAAAAAAAAAAAEAAABQAAAAAAAAAAAA4D8AAAAAAADgPwAAAAAAAOA/AAAAAAAA4D8AAAAAAADgPwAAAAAAAOA/AAAAAAAA4D8AAAAAAADgPwAAAAAAAOA/AAAAAAAA4D8CAAAAjAAAAAAAAAAAAAAA////AP///wgAAAAAAAAAAAAAAAAAAAAAAAAAAAAAAAAAAAAAeAAAAAEAAABAAAAAAAAAAAAAAABaAAAAAAAAAAAAAAAAAAAAAAAAAAAAAAAAAAAAAAAAAAAAAAAAAAAAAAAAAAAAAAAAAAAAAAAAAAAAAAAAAAAAAAAAAAAAAAAAAAAAFAAAADwAAAAAAAAAAAAAAAAAAAAPAAAAAQAAACMAAAAjAAAAIwAAAB4AAAAAAAAAZAAAAGQAAAAAAAAAZAAAAGQAAAAVAAAAYAAAAAAAAAAAAAAADwAAACADAAAAAAAAAAAAAAEAAACgMgAAVgcAAKr4//8BAAAAf39/AAEAAABkAAAAAAAAABQAAABAHwAAAAAAACYAAAAAAAAAwOD//wAAAAAmAAAAZAAAABYAAABMAAAAAAAAAAAAAAAEAAAAAAAAAAEAAADu7OEKAAAAACgAAAAoAAAAZAAAAGQAAAAAAAAAzMzMAAAAAABQAAAAUAAAAGQAAABkAAAAAAAAABcAAAAUAAAAAAAAAAAAAAD/fwAA/38AAAAAAAAJAAAABAAAAEEAQQAMAAAAEAAAAAAAAAAAAAAAAAAAAAAAAAAeAAAAaAAAAAAAAAAAAAAAAAAAAAAAAAAAAAAAECcAABAnAAAAAAAAAAAAAAAAAAAAAAAAAAAAAAAAAAAAAAAAAAAAABQAAAAAAAAAwMD/AAAAAABkAAAAMgAAAAAAAABkAAAAAAAAAH9/fwAKAAAAHwAAAFQAAAD///8A////AQAAAAAAAAAAAAAAAAAAAAAAAAAAAAAAAAAAAAAAAAAAAAAAAH9/fwDu7OEDzMzMAMDA/wB/f38AAAAAAAAAAAAAAAAAAAAAAAAAAAAhAAAAGAAAABQAAADIBQAAwBIAAJJIAADKLgAAAAAAACYAAAAIAAAAAYAAAAAAAAA="/>
               </a:ext>
             </a:extLst>
           </p:cNvSpPr>
@@ -9319,7 +9920,7 @@
             <a:spLocks noGrp="1" noChangeArrowheads="1"/>
             <a:extLst>
               <a:ext uri="smNativeData">
-                <pr:smNativeData xmlns:pr="smNativeData" xmlns:p14="http://schemas.microsoft.com/office/powerpoint/2010/main" xmlns="" val="SMDATA_13_eIVQYBMAAAAlAAAAZAAAAA0AAAAAAAAAAAAAAAAAAAAAAAAAAAAAAAAAAAAAAAAAAAEAAABQAAAAAAAAAAAA4D8AAAAAAADgPwAAAAAAAOA/AAAAAAAA4D8AAAAAAADgPwAAAAAAAOA/AAAAAAAA4D8AAAAAAADgPwAAAAAAAOA/AAAAAAAA4D8CAAAAjAAAAAAAAAAAAAAA////AP///wgAAAAAAAAAAAAAAAAAAAAAAAAAAAAAAAAAAAAAeAAAAAEAAABAAAAAAAAAAAAAAABaAAAAAAAAAAAAAAAAAAAAAAAAAAAAAAAAAAAAAAAAAAAAAAAAAAAAAAAAAAAAAAAAAAAAAAAAAAAAAAAAAAAAAAAAAAAAAAAAAAAAFAAAADwAAAAAAAAAAAAAAAAAAAAPAAAAAQAAACMAAAAjAAAAIwAAAB4AAAAAAAAAZAAAAGQAAAAAAAAAZAAAAGQAAAAVAAAAYAAAAAAAAAAAAAAADwAAACADAAAAAAAAAAAAAAEAAACgMgAAVgcAAKr4//8BAAAAf39/AAEAAABkAAAAAAAAABQAAABAHwAAAAAAACYAAAAAAAAAwOD//wAAAAAmAAAAZAAAABYAAABMAAAAAAAAAAAAAAAEAAAAAAAAAAEAAADu7OEKAAAAACgAAAAoAAAAZAAAAGQAAAAAAAAAzMzMAAAAAABQAAAAUAAAAGQAAABkAAAAAAAAABcAAAAUAAAAAAAAAAAAAAD/fwAA/38AAAAAAAAJAAAABAAAAEEAQQAMAAAAEAAAAAAAAAAAAAAAAAAAAAAAAAAeAAAAaAAAAAAAAAAAAAAAAAAAAAAAAAAAAAAAECcAABAnAAAAAAAAAAAAAAAAAAAAAAAAAAAAAAAAAAAAAAAAAAAAABQAAAAAAAAAwMD/AAAAAABkAAAAMgAAAAAAAABkAAAAAAAAAH9/fwAKAAAAHwAAAFQAAAD///8A////AQAAAAAAAAAAAAAAAAAAAAAAAAAAAAAAAAAAAAAAAAAAAAAAAH9/fwDu7OEDzMzMAMDA/wB/f38AAAAAAAAAAAAAAAAAAAAAAAAAAAAhAAAAGAAAABQAAADqAQAA4DgAAPAKAACYOgAAEAAAACYAAAAIAAAAAAAAAAAAAAA="/>
+                <pr:smNativeData xmlns="" xmlns:p14="http://schemas.microsoft.com/office/powerpoint/2010/main" xmlns:pr="smNativeData" val="SMDATA_13_eIVQYBMAAAAlAAAAZAAAAA0AAAAAAAAAAAAAAAAAAAAAAAAAAAAAAAAAAAAAAAAAAAEAAABQAAAAAAAAAAAA4D8AAAAAAADgPwAAAAAAAOA/AAAAAAAA4D8AAAAAAADgPwAAAAAAAOA/AAAAAAAA4D8AAAAAAADgPwAAAAAAAOA/AAAAAAAA4D8CAAAAjAAAAAAAAAAAAAAA////AP///wgAAAAAAAAAAAAAAAAAAAAAAAAAAAAAAAAAAAAAeAAAAAEAAABAAAAAAAAAAAAAAABaAAAAAAAAAAAAAAAAAAAAAAAAAAAAAAAAAAAAAAAAAAAAAAAAAAAAAAAAAAAAAAAAAAAAAAAAAAAAAAAAAAAAAAAAAAAAAAAAAAAAFAAAADwAAAAAAAAAAAAAAAAAAAAPAAAAAQAAACMAAAAjAAAAIwAAAB4AAAAAAAAAZAAAAGQAAAAAAAAAZAAAAGQAAAAVAAAAYAAAAAAAAAAAAAAADwAAACADAAAAAAAAAAAAAAEAAACgMgAAVgcAAKr4//8BAAAAf39/AAEAAABkAAAAAAAAABQAAABAHwAAAAAAACYAAAAAAAAAwOD//wAAAAAmAAAAZAAAABYAAABMAAAAAAAAAAAAAAAEAAAAAAAAAAEAAADu7OEKAAAAACgAAAAoAAAAZAAAAGQAAAAAAAAAzMzMAAAAAABQAAAAUAAAAGQAAABkAAAAAAAAABcAAAAUAAAAAAAAAAAAAAD/fwAA/38AAAAAAAAJAAAABAAAAEEAQQAMAAAAEAAAAAAAAAAAAAAAAAAAAAAAAAAeAAAAaAAAAAAAAAAAAAAAAAAAAAAAAAAAAAAAECcAABAnAAAAAAAAAAAAAAAAAAAAAAAAAAAAAAAAAAAAAAAAAAAAABQAAAAAAAAAwMD/AAAAAABkAAAAMgAAAAAAAABkAAAAAAAAAH9/fwAKAAAAHwAAAFQAAAD///8A////AQAAAAAAAAAAAAAAAAAAAAAAAAAAAAAAAAAAAAAAAAAAAAAAAH9/fwDu7OEDzMzMAMDA/wB/f38AAAAAAAAAAAAAAAAAAAAAAAAAAAAhAAAAGAAAABQAAADqAQAA4DgAAPAKAACYOgAAEAAAACYAAAAIAAAAAAAAAAAAAAA="/>
               </a:ext>
             </a:extLst>
           </p:cNvSpPr>
@@ -9348,7 +9949,7 @@
             <a:spLocks noGrp="1" noChangeArrowheads="1"/>
             <a:extLst>
               <a:ext uri="smNativeData">
-                <pr:smNativeData xmlns:pr="smNativeData" xmlns:p14="http://schemas.microsoft.com/office/powerpoint/2010/main" xmlns="" val="SMDATA_13_eIVQYBMAAAAlAAAAZAAAAA0AAAAAAAAAAAAAAAAAAAAAAAAAAAAAAAAAAAAAAAAAAAEAAABQAAAAAAAAAAAA4D8AAAAAAADgPwAAAAAAAOA/AAAAAAAA4D8AAAAAAADgPwAAAAAAAOA/AAAAAAAA4D8AAAAAAADgPwAAAAAAAOA/AAAAAAAA4D8CAAAAjAAAAAAAAAAAAAAA////AP///wgAAAAAAAAAAAAAAAAAAAAAAAAAAAAAAAAAAAAAeAAAAAEAAABAAAAAAAAAAAAAAABaAAAAAAAAAAAAAAAAAAAAAAAAAAAAAAAAAAAAAAAAAAAAAAAAAAAAAAAAAAAAAAAAAAAAAAAAAAAAAAAAAAAAAAAAAAAAAAAAAAAAFAAAADwAAAAAAAAAAAAAAAAAAAAPAAAAAQAAACMAAAAjAAAAIwAAAB4AAAAAAAAAZAAAAGQAAAAAAAAAZAAAAGQAAAAVAAAAYAAAAAAAAAAAAAAADwAAACADAAAAAAAAAAAAAAEAAACgMgAAVgcAAKr4//8BAAAAf39/AAEAAABkAAAAAAAAABQAAABAHwAAAAAAACYAAAAAAAAAwOD//wAAAAAmAAAAZAAAABYAAABMAAAAAAAAAAAAAAAEAAAAAAAAAAEAAADu7OEKAAAAACgAAAAoAAAAZAAAAGQAAAAAAAAAzMzMAAAAAABQAAAAUAAAAGQAAABkAAAAAAAAABcAAAAUAAAAAAAAAAAAAAD/fwAA/38AAAAAAAAJAAAABAAAAEEAQQAMAAAAEAAAAAAAAAAAAAAAAAAAAAAAAAAeAAAAaAAAAAAAAAAAAAAAAAAAAAAAAAAAAAAAECcAABAnAAAAAAAAAAAAAAAAAAAAAAAAAAAAAAAAAAAAAAAAAAAAABQAAAAAAAAAwMD/AAAAAABkAAAAMgAAAAAAAABkAAAAAAAAAH9/fwAKAAAAHwAAAFQAAAD///8A////AQAAAAAAAAAAAAAAAAAAAAAAAAAAAAAAAAAAAAAAAAAAAAAAAH9/fwDu7OEDzMzMAMDA/wB/f38AAAAAAAAAAAAAAAAAAAAAAAAAAAAhAAAAGAAAABQAAADQSAAAGDkAABZOAACYOgAAEAAAACYAAAAIAAAAAAAAAAAAAAA="/>
+                <pr:smNativeData xmlns="" xmlns:p14="http://schemas.microsoft.com/office/powerpoint/2010/main" xmlns:pr="smNativeData" val="SMDATA_13_eIVQYBMAAAAlAAAAZAAAAA0AAAAAAAAAAAAAAAAAAAAAAAAAAAAAAAAAAAAAAAAAAAEAAABQAAAAAAAAAAAA4D8AAAAAAADgPwAAAAAAAOA/AAAAAAAA4D8AAAAAAADgPwAAAAAAAOA/AAAAAAAA4D8AAAAAAADgPwAAAAAAAOA/AAAAAAAA4D8CAAAAjAAAAAAAAAAAAAAA////AP///wgAAAAAAAAAAAAAAAAAAAAAAAAAAAAAAAAAAAAAeAAAAAEAAABAAAAAAAAAAAAAAABaAAAAAAAAAAAAAAAAAAAAAAAAAAAAAAAAAAAAAAAAAAAAAAAAAAAAAAAAAAAAAAAAAAAAAAAAAAAAAAAAAAAAAAAAAAAAAAAAAAAAFAAAADwAAAAAAAAAAAAAAAAAAAAPAAAAAQAAACMAAAAjAAAAIwAAAB4AAAAAAAAAZAAAAGQAAAAAAAAAZAAAAGQAAAAVAAAAYAAAAAAAAAAAAAAADwAAACADAAAAAAAAAAAAAAEAAACgMgAAVgcAAKr4//8BAAAAf39/AAEAAABkAAAAAAAAABQAAABAHwAAAAAAACYAAAAAAAAAwOD//wAAAAAmAAAAZAAAABYAAABMAAAAAAAAAAAAAAAEAAAAAAAAAAEAAADu7OEKAAAAACgAAAAoAAAAZAAAAGQAAAAAAAAAzMzMAAAAAABQAAAAUAAAAGQAAABkAAAAAAAAABcAAAAUAAAAAAAAAAAAAAD/fwAA/38AAAAAAAAJAAAABAAAAEEAQQAMAAAAEAAAAAAAAAAAAAAAAAAAAAAAAAAeAAAAaAAAAAAAAAAAAAAAAAAAAAAAAAAAAAAAECcAABAnAAAAAAAAAAAAAAAAAAAAAAAAAAAAAAAAAAAAAAAAAAAAABQAAAAAAAAAwMD/AAAAAABkAAAAMgAAAAAAAABkAAAAAAAAAH9/fwAKAAAAHwAAAFQAAAD///8A////AQAAAAAAAAAAAAAAAAAAAAAAAAAAAAAAAAAAAAAAAAAAAAAAAH9/fwDu7OEDzMzMAMDA/wB/f38AAAAAAAAAAAAAAAAAAAAAAAAAAAAhAAAAGAAAABQAAADQSAAAGDkAABZOAACYOgAAEAAAACYAAAAIAAAAAAAAAAAAAAA="/>
               </a:ext>
             </a:extLst>
           </p:cNvSpPr>
@@ -9403,7 +10004,7 @@
             <a:spLocks noGrp="1" noChangeArrowheads="1"/>
             <a:extLst>
               <a:ext uri="smNativeData">
-                <pr:smNativeData xmlns:pr="smNativeData" xmlns:p14="http://schemas.microsoft.com/office/powerpoint/2010/main" xmlns="" val="SMDATA_13_eIVQYBMAAAAlAAAAZAAAAA0AAAAAAAAAAAAAAAAAAAAAAAAAAAAAAAAAAAAAAAAAAAEAAABQAAAAAAAAAAAA4D8AAAAAAADgPwAAAAAAAOA/AAAAAAAA4D8AAAAAAADgPwAAAAAAAOA/AAAAAAAA4D8AAAAAAADgPwAAAAAAAOA/AAAAAAAA4D8CAAAAjAAAAAAAAAAAAAAA////AP///wgAAAAAAAAAAAAAAAAAAAAAAAAAAAAAAAAAAAAAeAAAAAEAAABAAAAAAAAAAAAAAABaAAAAAAAAAAAAAAAAAAAAAAAAAAAAAAAAAAAAAAAAAAAAAAAAAAAAAAAAAAAAAAAAAAAAAAAAAAAAAAAAAAAAAAAAAAAAAAAAAAAAFAAAADwAAAAAAAAAAAAAAAAAAAAPAAAAAQAAACMAAAAjAAAAIwAAAB4AAAAAAAAAZAAAAGQAAAAAAAAAZAAAAGQAAAAVAAAAYAAAAAAAAAAAAAAADwAAACADAAAAAAAAAAAAAAEAAACgMgAAVgcAAKr4//8BAAAAf39/AAEAAABkAAAAAAAAABQAAABAHwAAAAAAACYAAAAAAAAAwOD//wAAAAAmAAAAZAAAABYAAABMAAAAAAAAAAAAAAAEAAAAAAAAAAEAAADu7OEKAAAAACgAAAAoAAAAZAAAAGQAAAAAAAAAzMzMAAAAAABQAAAAUAAAAGQAAABkAAAAAAAAABcAAAAUAAAAAAAAAAAAAAD/fwAA/38AAAAAAAAJAAAABAAAAEEAQQAMAAAAEAAAAAAAAAAAAAAAAAAAAAAAAAAeAAAAaAAAAAAAAAAAAAAAAAAAAAAAAAAAAAAAECcAABAnAAAAAAAAAAAAAAAAAAAAAAAAAAAAAAAAAAAAAAAAAAAAABQAAAAAAAAAwMD/AAAAAABkAAAAMgAAAAAAAABkAAAAAAAAAH9/fwAKAAAAHwAAAFQAAAD///8A////AQAAAAAAAAAAAAAAAAAAAAAAAAAAAAAAAAAAAAAAAAAAAAAAAH9/fwDu7OEDzMzMAMDA/wB/f38AAAAAAAAAAAAAAAAAAAAAAAAAAAAhAAAAGAAAABQAAADIBQAAiQsAAHpIAACpDwAAEAAAACYAAAAIAAAAAQAAAAAAAAA="/>
+                <pr:smNativeData xmlns="" xmlns:p14="http://schemas.microsoft.com/office/powerpoint/2010/main" xmlns:pr="smNativeData" val="SMDATA_13_eIVQYBMAAAAlAAAAZAAAAA0AAAAAAAAAAAAAAAAAAAAAAAAAAAAAAAAAAAAAAAAAAAEAAABQAAAAAAAAAAAA4D8AAAAAAADgPwAAAAAAAOA/AAAAAAAA4D8AAAAAAADgPwAAAAAAAOA/AAAAAAAA4D8AAAAAAADgPwAAAAAAAOA/AAAAAAAA4D8CAAAAjAAAAAAAAAAAAAAA////AP///wgAAAAAAAAAAAAAAAAAAAAAAAAAAAAAAAAAAAAAeAAAAAEAAABAAAAAAAAAAAAAAABaAAAAAAAAAAAAAAAAAAAAAAAAAAAAAAAAAAAAAAAAAAAAAAAAAAAAAAAAAAAAAAAAAAAAAAAAAAAAAAAAAAAAAAAAAAAAAAAAAAAAFAAAADwAAAAAAAAAAAAAAAAAAAAPAAAAAQAAACMAAAAjAAAAIwAAAB4AAAAAAAAAZAAAAGQAAAAAAAAAZAAAAGQAAAAVAAAAYAAAAAAAAAAAAAAADwAAACADAAAAAAAAAAAAAAEAAACgMgAAVgcAAKr4//8BAAAAf39/AAEAAABkAAAAAAAAABQAAABAHwAAAAAAACYAAAAAAAAAwOD//wAAAAAmAAAAZAAAABYAAABMAAAAAAAAAAAAAAAEAAAAAAAAAAEAAADu7OEKAAAAACgAAAAoAAAAZAAAAGQAAAAAAAAAzMzMAAAAAABQAAAAUAAAAGQAAABkAAAAAAAAABcAAAAUAAAAAAAAAAAAAAD/fwAA/38AAAAAAAAJAAAABAAAAEEAQQAMAAAAEAAAAAAAAAAAAAAAAAAAAAAAAAAeAAAAaAAAAAAAAAAAAAAAAAAAAAAAAAAAAAAAECcAABAnAAAAAAAAAAAAAAAAAAAAAAAAAAAAAAAAAAAAAAAAAAAAABQAAAAAAAAAwMD/AAAAAABkAAAAMgAAAAAAAABkAAAAAAAAAH9/fwAKAAAAHwAAAFQAAAD///8A////AQAAAAAAAAAAAAAAAAAAAAAAAAAAAAAAAAAAAAAAAAAAAAAAAH9/fwDu7OEDzMzMAMDA/wB/f38AAAAAAAAAAAAAAAAAAAAAAAAAAAAhAAAAGAAAABQAAADIBQAAiQsAAHpIAACpDwAAEAAAACYAAAAIAAAAAQAAAAAAAAA="/>
               </a:ext>
             </a:extLst>
           </p:cNvSpPr>
@@ -9437,7 +10038,7 @@
             <a:spLocks noGrp="1" noChangeArrowheads="1"/>
             <a:extLst>
               <a:ext uri="smNativeData">
-                <pr:smNativeData xmlns:pr="smNativeData" xmlns:p14="http://schemas.microsoft.com/office/powerpoint/2010/main" xmlns="" val="SMDATA_13_eIVQYBMAAAAlAAAAZAAAAA0AAAAAAAAAAAAAAAAAAAAAAAAAAAAAAAAAAAAAAAAAAAEAAABQAAAAAAAAAAAA4D8AAAAAAADgPwAAAAAAAOA/AAAAAAAA4D8AAAAAAADgPwAAAAAAAOA/AAAAAAAA4D8AAAAAAADgPwAAAAAAAOA/AAAAAAAA4D8CAAAAjAAAAAAAAAAAAAAA////AP///wgAAAAAAAAAAAAAAAAAAAAAAAAAAAAAAAAAAAAAeAAAAAEAAABAAAAAAAAAAAAAAABaAAAAAAAAAAAAAAAAAAAAAAAAAAAAAAAAAAAAAAAAAAAAAAAAAAAAAAAAAAAAAAAAAAAAAAAAAAAAAAAAAAAAAAAAAAAAAAAAAAAAFAAAADwAAAAAAAAAAAAAAAAAAAAPAAAAAQAAACMAAAAjAAAAIwAAAB4AAAAAAAAAZAAAAGQAAAAAAAAAZAAAAGQAAAAVAAAAYAAAAAAAAAAAAAAADwAAACADAAAAAAAAAAAAAAEAAACgMgAAVgcAAKr4//8BAAAAf39/AAEAAABkAAAAAAAAABQAAABAHwAAAAAAACYAAAAAAAAAwOD//wAAAAAmAAAAZAAAABYAAABMAAAAAAAAAAAAAAAEAAAAAAAAAAEAAADu7OEKAAAAACgAAAAoAAAAZAAAAGQAAAAAAAAAzMzMAAAAAABQAAAAUAAAAGQAAABkAAAAAAAAABcAAAAUAAAAAAAAAAAAAAD/fwAA/38AAAAAAAAJAAAABAAAAEEAQQAMAAAAEAAAAAAAAAAAAAAAAAAAAAAAAAAeAAAAaAAAAAAAAAAAAAAAAAAAAAAAAAAAAAAAECcAABAnAAAAAAAAAAAAAAAAAAAAAAAAAAAAAAAAAAAAAAAAAAAAABQAAAAAAAAAwMD/AAAAAABkAAAAMgAAAAAAAABkAAAAAAAAAH9/fwAKAAAAHwAAAFQAAAD///8A////AQAAAAAAAAAAAAAAAAAAAAAAAAAAAAAAAAAAAAAAAAAAAAAAAH9/fwDu7OEDzMzMAMDA/wB/f38AAAAAAAAAAAAAAAAAAAAAAAAAAAAhAAAAGAAAABQAAADIBQAAwBIAAHpIAACQGwAAEAAAACYAAAAIAAAAAYAAAAAAAAA="/>
+                <pr:smNativeData xmlns="" xmlns:p14="http://schemas.microsoft.com/office/powerpoint/2010/main" xmlns:pr="smNativeData" val="SMDATA_13_eIVQYBMAAAAlAAAAZAAAAA0AAAAAAAAAAAAAAAAAAAAAAAAAAAAAAAAAAAAAAAAAAAEAAABQAAAAAAAAAAAA4D8AAAAAAADgPwAAAAAAAOA/AAAAAAAA4D8AAAAAAADgPwAAAAAAAOA/AAAAAAAA4D8AAAAAAADgPwAAAAAAAOA/AAAAAAAA4D8CAAAAjAAAAAAAAAAAAAAA////AP///wgAAAAAAAAAAAAAAAAAAAAAAAAAAAAAAAAAAAAAeAAAAAEAAABAAAAAAAAAAAAAAABaAAAAAAAAAAAAAAAAAAAAAAAAAAAAAAAAAAAAAAAAAAAAAAAAAAAAAAAAAAAAAAAAAAAAAAAAAAAAAAAAAAAAAAAAAAAAAAAAAAAAFAAAADwAAAAAAAAAAAAAAAAAAAAPAAAAAQAAACMAAAAjAAAAIwAAAB4AAAAAAAAAZAAAAGQAAAAAAAAAZAAAAGQAAAAVAAAAYAAAAAAAAAAAAAAADwAAACADAAAAAAAAAAAAAAEAAACgMgAAVgcAAKr4//8BAAAAf39/AAEAAABkAAAAAAAAABQAAABAHwAAAAAAACYAAAAAAAAAwOD//wAAAAAmAAAAZAAAABYAAABMAAAAAAAAAAAAAAAEAAAAAAAAAAEAAADu7OEKAAAAACgAAAAoAAAAZAAAAGQAAAAAAAAAzMzMAAAAAABQAAAAUAAAAGQAAABkAAAAAAAAABcAAAAUAAAAAAAAAAAAAAD/fwAA/38AAAAAAAAJAAAABAAAAEEAQQAMAAAAEAAAAAAAAAAAAAAAAAAAAAAAAAAeAAAAaAAAAAAAAAAAAAAAAAAAAAAAAAAAAAAAECcAABAnAAAAAAAAAAAAAAAAAAAAAAAAAAAAAAAAAAAAAAAAAAAAABQAAAAAAAAAwMD/AAAAAABkAAAAMgAAAAAAAABkAAAAAAAAAH9/fwAKAAAAHwAAAFQAAAD///8A////AQAAAAAAAAAAAAAAAAAAAAAAAAAAAAAAAAAAAAAAAAAAAAAAAH9/fwDu7OEDzMzMAMDA/wB/f38AAAAAAAAAAAAAAAAAAAAAAAAAAAAhAAAAGAAAABQAAADIBQAAwBIAAHpIAACQGwAAEAAAACYAAAAIAAAAAYAAAAAAAAA="/>
               </a:ext>
             </a:extLst>
           </p:cNvSpPr>
@@ -9547,7 +10148,7 @@
             <a:spLocks noGrp="1" noChangeArrowheads="1"/>
             <a:extLst>
               <a:ext uri="smNativeData">
-                <pr:smNativeData xmlns:pr="smNativeData" xmlns:p14="http://schemas.microsoft.com/office/powerpoint/2010/main" xmlns="" val="SMDATA_13_eIVQYBMAAAAlAAAAZAAAAA0AAAAAAAAAAAAAAAAAAAAAAAAAAAAAAAAAAAAAAAAAAAEAAABQAAAAAAAAAAAA4D8AAAAAAADgPwAAAAAAAOA/AAAAAAAA4D8AAAAAAADgPwAAAAAAAOA/AAAAAAAA4D8AAAAAAADgPwAAAAAAAOA/AAAAAAAA4D8CAAAAjAAAAAAAAAAAAAAA////AP///wgAAAAAAAAAAAAAAAAAAAAAAAAAAAAAAAAAAAAAeAAAAAEAAABAAAAAAAAAAAAAAABaAAAAAAAAAAAAAAAAAAAAAAAAAAAAAAAAAAAAAAAAAAAAAAAAAAAAAAAAAAAAAAAAAAAAAAAAAAAAAAAAAAAAAAAAAAAAAAAAAAAAFAAAADwAAAAAAAAAAAAAAAAAAAAPAAAAAQAAACMAAAAjAAAAIwAAAB4AAAAAAAAAZAAAAGQAAAAAAAAAZAAAAGQAAAAVAAAAYAAAAAAAAAAAAAAADwAAACADAAAAAAAAAAAAAAEAAACgMgAAVgcAAKr4//8BAAAAf39/AAEAAABkAAAAAAAAABQAAABAHwAAAAAAACYAAAAAAAAAwOD//wAAAAAmAAAAZAAAABYAAABMAAAAAAAAAAAAAAAEAAAAAAAAAAEAAADu7OEKAAAAACgAAAAoAAAAZAAAAGQAAAAAAAAAzMzMAAAAAABQAAAAUAAAAGQAAABkAAAAAAAAABcAAAAUAAAAAAAAAAAAAAD/fwAA/38AAAAAAAAJAAAABAAAAAAAAAAMAAAAEAAAAAAAAAAAAAAAAAAAAAAAAAAeAAAAaAAAAAAAAAAAAAAAAAAAAAAAAAAAAAAAECcAABAnAAAAAAAAAAAAAAAAAAAAAAAAAAAAAAAAAAAAAAAAAAAAABQAAAAAAAAAwMD/AAAAAABkAAAAMgAAAAAAAABkAAAAAAAAAH9/fwAKAAAAHwAAAFQAAAD///8A////AQAAAAAAAAAAAAAAAAAAAAAAAAAAAAAAAAAAAAAAAAAAAAAAAH9/fwDu7OEDzMzMAMDA/wB/f38AAAAAAAAAAAAAAAAAAAAAAAAAAAAhAAAAGAAAABQAAADqAQAA4DgAAPAKAACYOgAAEAAAACYAAAAIAAAAAAAAAAAAAAA="/>
+                <pr:smNativeData xmlns="" xmlns:p14="http://schemas.microsoft.com/office/powerpoint/2010/main" xmlns:pr="smNativeData" val="SMDATA_13_eIVQYBMAAAAlAAAAZAAAAA0AAAAAAAAAAAAAAAAAAAAAAAAAAAAAAAAAAAAAAAAAAAEAAABQAAAAAAAAAAAA4D8AAAAAAADgPwAAAAAAAOA/AAAAAAAA4D8AAAAAAADgPwAAAAAAAOA/AAAAAAAA4D8AAAAAAADgPwAAAAAAAOA/AAAAAAAA4D8CAAAAjAAAAAAAAAAAAAAA////AP///wgAAAAAAAAAAAAAAAAAAAAAAAAAAAAAAAAAAAAAeAAAAAEAAABAAAAAAAAAAAAAAABaAAAAAAAAAAAAAAAAAAAAAAAAAAAAAAAAAAAAAAAAAAAAAAAAAAAAAAAAAAAAAAAAAAAAAAAAAAAAAAAAAAAAAAAAAAAAAAAAAAAAFAAAADwAAAAAAAAAAAAAAAAAAAAPAAAAAQAAACMAAAAjAAAAIwAAAB4AAAAAAAAAZAAAAGQAAAAAAAAAZAAAAGQAAAAVAAAAYAAAAAAAAAAAAAAADwAAACADAAAAAAAAAAAAAAEAAACgMgAAVgcAAKr4//8BAAAAf39/AAEAAABkAAAAAAAAABQAAABAHwAAAAAAACYAAAAAAAAAwOD//wAAAAAmAAAAZAAAABYAAABMAAAAAAAAAAAAAAAEAAAAAAAAAAEAAADu7OEKAAAAACgAAAAoAAAAZAAAAGQAAAAAAAAAzMzMAAAAAABQAAAAUAAAAGQAAABkAAAAAAAAABcAAAAUAAAAAAAAAAAAAAD/fwAA/38AAAAAAAAJAAAABAAAAAAAAAAMAAAAEAAAAAAAAAAAAAAAAAAAAAAAAAAeAAAAaAAAAAAAAAAAAAAAAAAAAAAAAAAAAAAAECcAABAnAAAAAAAAAAAAAAAAAAAAAAAAAAAAAAAAAAAAAAAAAAAAABQAAAAAAAAAwMD/AAAAAABkAAAAMgAAAAAAAABkAAAAAAAAAH9/fwAKAAAAHwAAAFQAAAD///8A////AQAAAAAAAAAAAAAAAAAAAAAAAAAAAAAAAAAAAAAAAAAAAAAAAH9/fwDu7OEDzMzMAMDA/wB/f38AAAAAAAAAAAAAAAAAAAAAAAAAAAAhAAAAGAAAABQAAADqAQAA4DgAAPAKAACYOgAAEAAAACYAAAAIAAAAAAAAAAAAAAA="/>
               </a:ext>
             </a:extLst>
           </p:cNvSpPr>
@@ -9576,7 +10177,7 @@
             <a:spLocks noGrp="1" noChangeArrowheads="1"/>
             <a:extLst>
               <a:ext uri="smNativeData">
-                <pr:smNativeData xmlns:pr="smNativeData" xmlns:p14="http://schemas.microsoft.com/office/powerpoint/2010/main" xmlns="" val="SMDATA_13_eIVQYBMAAAAlAAAAZAAAAA0AAAAAAAAAAAAAAAAAAAAAAAAAAAAAAAAAAAAAAAAAAAEAAABQAAAAAAAAAAAA4D8AAAAAAADgPwAAAAAAAOA/AAAAAAAA4D8AAAAAAADgPwAAAAAAAOA/AAAAAAAA4D8AAAAAAADgPwAAAAAAAOA/AAAAAAAA4D8CAAAAjAAAAAAAAAAAAAAA////AP///wgAAAAAAAAAAAAAAAAAAAAAAAAAAAAAAAAAAAAAeAAAAAEAAABAAAAAAAAAAAAAAABaAAAAAAAAAAAAAAAAAAAAAAAAAAAAAAAAAAAAAAAAAAAAAAAAAAAAAAAAAAAAAAAAAAAAAAAAAAAAAAAAAAAAAAAAAAAAAAAAAAAAFAAAADwAAAAAAAAAAAAAAAAAAAAPAAAAAQAAACMAAAAjAAAAIwAAAB4AAAAAAAAAZAAAAGQAAAAAAAAAZAAAAGQAAAAVAAAAYAAAAAAAAAAAAAAADwAAACADAAAAAAAAAAAAAAEAAACgMgAAVgcAAKr4//8BAAAAf39/AAEAAABkAAAAAAAAABQAAABAHwAAAAAAACYAAAAAAAAAwOD//wAAAAAmAAAAZAAAABYAAABMAAAAAAAAAAAAAAAEAAAAAAAAAAEAAADu7OEKAAAAACgAAAAoAAAAZAAAAGQAAAAAAAAAzMzMAAAAAABQAAAAUAAAAGQAAABkAAAAAAAAABcAAAAUAAAAAAAAAAAAAAD/fwAA/38AAAAAAAAJAAAABAAAAAAAAAAMAAAAEAAAAAAAAAAAAAAAAAAAAAAAAAAeAAAAaAAAAAAAAAAAAAAAAAAAAAAAAAAAAAAAECcAABAnAAAAAAAAAAAAAAAAAAAAAAAAAAAAAAAAAAAAAAAAAAAAABQAAAAAAAAAwMD/AAAAAABkAAAAMgAAAAAAAABkAAAAAAAAAH9/fwAKAAAAHwAAAFQAAAD///8A////AQAAAAAAAAAAAAAAAAAAAAAAAAAAAAAAAAAAAAAAAAAAAAAAAH9/fwDu7OEDzMzMAMDA/wB/f38AAAAAAAAAAAAAAAAAAAAAAAAAAAAhAAAAGAAAABQAAADQSAAAGDkAABZOAACYOgAAEAAAACYAAAAIAAAAAAAAAAAAAAA="/>
+                <pr:smNativeData xmlns="" xmlns:p14="http://schemas.microsoft.com/office/powerpoint/2010/main" xmlns:pr="smNativeData" val="SMDATA_13_eIVQYBMAAAAlAAAAZAAAAA0AAAAAAAAAAAAAAAAAAAAAAAAAAAAAAAAAAAAAAAAAAAEAAABQAAAAAAAAAAAA4D8AAAAAAADgPwAAAAAAAOA/AAAAAAAA4D8AAAAAAADgPwAAAAAAAOA/AAAAAAAA4D8AAAAAAADgPwAAAAAAAOA/AAAAAAAA4D8CAAAAjAAAAAAAAAAAAAAA////AP///wgAAAAAAAAAAAAAAAAAAAAAAAAAAAAAAAAAAAAAeAAAAAEAAABAAAAAAAAAAAAAAABaAAAAAAAAAAAAAAAAAAAAAAAAAAAAAAAAAAAAAAAAAAAAAAAAAAAAAAAAAAAAAAAAAAAAAAAAAAAAAAAAAAAAAAAAAAAAAAAAAAAAFAAAADwAAAAAAAAAAAAAAAAAAAAPAAAAAQAAACMAAAAjAAAAIwAAAB4AAAAAAAAAZAAAAGQAAAAAAAAAZAAAAGQAAAAVAAAAYAAAAAAAAAAAAAAADwAAACADAAAAAAAAAAAAAAEAAACgMgAAVgcAAKr4//8BAAAAf39/AAEAAABkAAAAAAAAABQAAABAHwAAAAAAACYAAAAAAAAAwOD//wAAAAAmAAAAZAAAABYAAABMAAAAAAAAAAAAAAAEAAAAAAAAAAEAAADu7OEKAAAAACgAAAAoAAAAZAAAAGQAAAAAAAAAzMzMAAAAAABQAAAAUAAAAGQAAABkAAAAAAAAABcAAAAUAAAAAAAAAAAAAAD/fwAA/38AAAAAAAAJAAAABAAAAAAAAAAMAAAAEAAAAAAAAAAAAAAAAAAAAAAAAAAeAAAAaAAAAAAAAAAAAAAAAAAAAAAAAAAAAAAAECcAABAnAAAAAAAAAAAAAAAAAAAAAAAAAAAAAAAAAAAAAAAAAAAAABQAAAAAAAAAwMD/AAAAAABkAAAAMgAAAAAAAABkAAAAAAAAAH9/fwAKAAAAHwAAAFQAAAD///8A////AQAAAAAAAAAAAAAAAAAAAAAAAAAAAAAAAAAAAAAAAAAAAAAAAH9/fwDu7OEDzMzMAMDA/wB/f38AAAAAAAAAAAAAAAAAAAAAAAAAAAAhAAAAGAAAABQAAADQSAAAGDkAABZOAACYOgAAEAAAACYAAAAIAAAAAAAAAAAAAAA="/>
               </a:ext>
             </a:extLst>
           </p:cNvSpPr>
@@ -9606,14 +10207,14 @@
             <a:picLocks noChangeAspect="1"/>
             <a:extLst>
               <a:ext uri="smNativeData">
-                <pr:smNativeData xmlns:pr="smNativeData" xmlns:p14="http://schemas.microsoft.com/office/powerpoint/2010/main" xmlns="" val="SMDATA_15_eIVQYBMAAAAlAAAAEQAAAC0AAAAAkAAAAEgAAACQAAAASAAAAAAAAAAAAAAAAAAAAAEAAABQAAAAAAAAAAAA4D8AAAAAAADgPwAAAAAAAOA/AAAAAAAA4D8AAAAAAADgPwAAAAAAAOA/AAAAAAAA4D8AAAAAAADgPwAAAAAAAOA/AAAAAAAA4D8CAAAAjAAAAAAAAAAAAAAAT4G9DP///wgAAAAAAAAAAAAAAAAAAAAAAAAAAAAAAAAAAAAAZAAAAAEAAABAAAAAAAAAAAAAAAAAAAAAAAAAAAAAAAAAAAAAAAAAAAAAAAAAAAAAAAAAAAAAAAAAAAAAAAAAAAAAAAAAAAAAAAAAAAAAAAAAAAAAAAAAAAAAAAAAAAAAFAAAADwAAAAAAAAAAAAAAAAAAAkUAAAAAQAAABQAAAAUAAAAFAAAAAEAAAAAAAAAZAAAAGQAAAAAAAAAZAAAAGQAAAAVAAAAYAAAAAAAAAAAAAAADwAAACADAAAAAAAAAAAAAAEAAACgMgAAVgcAAKr4//8BAAAAf39/AAEAAABkAAAAAAAAABQAAABAHwAAAAAAACYAAAAAAAAAwOD//wAAAAAmAAAAZAAAABYAAABMAAAAAAAAAAAAAAAEAAAAAAAAAAEAAADu7OEKAAAAACgAAAAoAAAAZAAAAGQAAAAAAAAAzMzMAAAAAABQAAAAUAAAAGQAAABkAAAAAAAAAAcAAAA4AAAAAAAAAAAAAAAAAAAA////AAAAAAAAAAAAAAAAAAAAAAAAAAAAAAAAAAAAAABkAAAAZAAAAAAAAAAjAAAABAAAAGQAAAAXAAAAFAAAAAAAAAAAAAAA/38AAP9/AAAAAAAACQAAAAQAAAAAAAAADAAAABAAAAAAAAAAAAAAAAAAAAAAAAAAHgAAAGgAAAAAAAAAAAAAAAAAAAAAAAAAAAAAABAnAAAQJwAAAAAAAAAAAAAAAAAAAAAAAAAAAAAAAAAAAAAAAAAAAAAUAAAAAAAAAMDA/wAAAAAAZAAAADIAAAAAAAAAZAAAAAAAAAB/f38ACgAAAB8AAABUAAAAT4G9Bf///wEAAAAAAAAAAAAAAAAAAAAAAAAAAAAAAAAAAAAAAAAAAAAAAAJ/f38A7uzhA8zMzADAwP8Af39/AAAAAAAAAAAAAAAAAP///wAAAAAAIQAAABgAAAAUAAAAGAIAAKQRAAAUTQAA3jQAABAAAAAmAAAACAAAAP//////////"/>
+                <pr:smNativeData xmlns="" xmlns:p14="http://schemas.microsoft.com/office/powerpoint/2010/main" xmlns:pr="smNativeData" val="SMDATA_15_eIVQYBMAAAAlAAAAEQAAAC0AAAAAkAAAAEgAAACQAAAASAAAAAAAAAAAAAAAAAAAAAEAAABQAAAAAAAAAAAA4D8AAAAAAADgPwAAAAAAAOA/AAAAAAAA4D8AAAAAAADgPwAAAAAAAOA/AAAAAAAA4D8AAAAAAADgPwAAAAAAAOA/AAAAAAAA4D8CAAAAjAAAAAAAAAAAAAAAT4G9DP///wgAAAAAAAAAAAAAAAAAAAAAAAAAAAAAAAAAAAAAZAAAAAEAAABAAAAAAAAAAAAAAAAAAAAAAAAAAAAAAAAAAAAAAAAAAAAAAAAAAAAAAAAAAAAAAAAAAAAAAAAAAAAAAAAAAAAAAAAAAAAAAAAAAAAAAAAAAAAAAAAAAAAAFAAAADwAAAAAAAAAAAAAAAAAAAkUAAAAAQAAABQAAAAUAAAAFAAAAAEAAAAAAAAAZAAAAGQAAAAAAAAAZAAAAGQAAAAVAAAAYAAAAAAAAAAAAAAADwAAACADAAAAAAAAAAAAAAEAAACgMgAAVgcAAKr4//8BAAAAf39/AAEAAABkAAAAAAAAABQAAABAHwAAAAAAACYAAAAAAAAAwOD//wAAAAAmAAAAZAAAABYAAABMAAAAAAAAAAAAAAAEAAAAAAAAAAEAAADu7OEKAAAAACgAAAAoAAAAZAAAAGQAAAAAAAAAzMzMAAAAAABQAAAAUAAAAGQAAABkAAAAAAAAAAcAAAA4AAAAAAAAAAAAAAAAAAAA////AAAAAAAAAAAAAAAAAAAAAAAAAAAAAAAAAAAAAABkAAAAZAAAAAAAAAAjAAAABAAAAGQAAAAXAAAAFAAAAAAAAAAAAAAA/38AAP9/AAAAAAAACQAAAAQAAAAAAAAADAAAABAAAAAAAAAAAAAAAAAAAAAAAAAAHgAAAGgAAAAAAAAAAAAAAAAAAAAAAAAAAAAAABAnAAAQJwAAAAAAAAAAAAAAAAAAAAAAAAAAAAAAAAAAAAAAAAAAAAAUAAAAAAAAAMDA/wAAAAAAZAAAADIAAAAAAAAAZAAAAAAAAAB/f38ACgAAAB8AAABUAAAAT4G9Bf///wEAAAAAAAAAAAAAAAAAAAAAAAAAAAAAAAAAAAAAAAAAAAAAAAJ/f38A7uzhA8zMzADAwP8Af39/AAAAAAAAAAAAAAAAAP///wAAAAAAIQAAABgAAAAUAAAAGAIAAKQRAAAUTQAA3jQAABAAAAAmAAAACAAAAP//////////"/>
               </a:ext>
             </a:extLst>
           </p:cNvPicPr>
           <p:nvPr/>
         </p:nvPicPr>
         <p:blipFill>
-          <a:blip r:embed="rId2"/>
+          <a:blip r:embed="rId3"/>
           <a:stretch>
             <a:fillRect/>
           </a:stretch>
@@ -9665,7 +10266,7 @@
             <a:spLocks noGrp="1" noChangeArrowheads="1"/>
             <a:extLst>
               <a:ext uri="smNativeData">
-                <pr:smNativeData xmlns:pr="smNativeData" xmlns:p14="http://schemas.microsoft.com/office/powerpoint/2010/main" xmlns="" val="SMDATA_13_eIVQYBMAAAAlAAAAZAAAAA0AAAAAAAAAAAAAAAAAAAAAAAAAAAAAAAAAAAAAAAAAAAEAAABQAAAAAAAAAAAA4D8AAAAAAADgPwAAAAAAAOA/AAAAAAAA4D8AAAAAAADgPwAAAAAAAOA/AAAAAAAA4D8AAAAAAADgPwAAAAAAAOA/AAAAAAAA4D8CAAAAjAAAAAAAAAAAAAAA////AP///wgAAAAAAAAAAAAAAAAAAAAAAAAAAAAAAAAAAAAAeAAAAAEAAABAAAAAAAAAAAAAAABaAAAAAAAAAAAAAAAAAAAAAAAAAAAAAAAAAAAAAAAAAAAAAAAAAAAAAAAAAAAAAAAAAAAAAAAAAAAAAAAAAAAAAAAAAAAAAAAAAAAAFAAAADwAAAAAAAAAAAAAAAAAAAAPAAAAAQAAACMAAAAjAAAAIwAAAB4AAAAAAAAAZAAAAGQAAAAAAAAAZAAAAGQAAAAVAAAAYAAAAAAAAAAAAAAADwAAACADAAAAAAAAAAAAAAEAAACgMgAAVgcAAKr4//8BAAAAf39/AAEAAABkAAAAAAAAABQAAABAHwAAAAAAACYAAAAAAAAAwOD//wAAAAAmAAAAZAAAABYAAABMAAAAAAAAAAAAAAAEAAAAAAAAAAEAAADu7OEKAAAAACgAAAAoAAAAZAAAAGQAAAAAAAAAzMzMAAAAAABQAAAAUAAAAGQAAABkAAAAAAAAABcAAAAUAAAAAAAAAAAAAAD/fwAA/38AAAAAAAAJAAAABAAAAC5kaWEMAAAAEAAAAAAAAAAAAAAAAAAAAAAAAAAeAAAAaAAAAAAAAAAAAAAAAAAAAAAAAAAAAAAAECcAABAnAAAAAAAAAAAAAAAAAAAAAAAAAAAAAAAAAAAAAAAAAAAAABQAAAAAAAAAwMD/AAAAAABkAAAAMgAAAAAAAABkAAAAAAAAAH9/fwAKAAAAHwAAAFQAAAD///8A////AQAAAAAAAAAAAAAAAAAAAAAAAAAAAAAAAAAAAAAAAAAAAAAAAH9/fwDu7OEDzMzMAMDA/wB/f38AAAAAAAAAAAAAAAAAAAAAAAAAAAAhAAAAGAAAABQAAADIBQAAiQsAAHpIAACpDwAAEAAAACYAAAAIAAAAAQAAAAAAAAA="/>
+                <pr:smNativeData xmlns="" xmlns:p14="http://schemas.microsoft.com/office/powerpoint/2010/main" xmlns:pr="smNativeData" val="SMDATA_13_eIVQYBMAAAAlAAAAZAAAAA0AAAAAAAAAAAAAAAAAAAAAAAAAAAAAAAAAAAAAAAAAAAEAAABQAAAAAAAAAAAA4D8AAAAAAADgPwAAAAAAAOA/AAAAAAAA4D8AAAAAAADgPwAAAAAAAOA/AAAAAAAA4D8AAAAAAADgPwAAAAAAAOA/AAAAAAAA4D8CAAAAjAAAAAAAAAAAAAAA////AP///wgAAAAAAAAAAAAAAAAAAAAAAAAAAAAAAAAAAAAAeAAAAAEAAABAAAAAAAAAAAAAAABaAAAAAAAAAAAAAAAAAAAAAAAAAAAAAAAAAAAAAAAAAAAAAAAAAAAAAAAAAAAAAAAAAAAAAAAAAAAAAAAAAAAAAAAAAAAAAAAAAAAAFAAAADwAAAAAAAAAAAAAAAAAAAAPAAAAAQAAACMAAAAjAAAAIwAAAB4AAAAAAAAAZAAAAGQAAAAAAAAAZAAAAGQAAAAVAAAAYAAAAAAAAAAAAAAADwAAACADAAAAAAAAAAAAAAEAAACgMgAAVgcAAKr4//8BAAAAf39/AAEAAABkAAAAAAAAABQAAABAHwAAAAAAACYAAAAAAAAAwOD//wAAAAAmAAAAZAAAABYAAABMAAAAAAAAAAAAAAAEAAAAAAAAAAEAAADu7OEKAAAAACgAAAAoAAAAZAAAAGQAAAAAAAAAzMzMAAAAAABQAAAAUAAAAGQAAABkAAAAAAAAABcAAAAUAAAAAAAAAAAAAAD/fwAA/38AAAAAAAAJAAAABAAAAC5kaWEMAAAAEAAAAAAAAAAAAAAAAAAAAAAAAAAeAAAAaAAAAAAAAAAAAAAAAAAAAAAAAAAAAAAAECcAABAnAAAAAAAAAAAAAAAAAAAAAAAAAAAAAAAAAAAAAAAAAAAAABQAAAAAAAAAwMD/AAAAAABkAAAAMgAAAAAAAABkAAAAAAAAAH9/fwAKAAAAHwAAAFQAAAD///8A////AQAAAAAAAAAAAAAAAAAAAAAAAAAAAAAAAAAAAAAAAAAAAAAAAH9/fwDu7OEDzMzMAMDA/wB/f38AAAAAAAAAAAAAAAAAAAAAAAAAAAAhAAAAGAAAABQAAADIBQAAiQsAAHpIAACpDwAAEAAAACYAAAAIAAAAAQAAAAAAAAA="/>
               </a:ext>
             </a:extLst>
           </p:cNvSpPr>
@@ -9700,7 +10301,7 @@
             <a:spLocks noGrp="1" noChangeArrowheads="1"/>
             <a:extLst>
               <a:ext uri="smNativeData">
-                <pr:smNativeData xmlns:pr="smNativeData" xmlns:p14="http://schemas.microsoft.com/office/powerpoint/2010/main" xmlns="" val="SMDATA_13_eIVQYBMAAAAlAAAAZAAAAA0AAAAAAAAAAAAAAAAAAAAAAAAAAAAAAAAAAAAAAAAAAAEAAABQAAAAAAAAAAAA4D8AAAAAAADgPwAAAAAAAOA/AAAAAAAA4D8AAAAAAADgPwAAAAAAAOA/AAAAAAAA4D8AAAAAAADgPwAAAAAAAOA/AAAAAAAA4D8CAAAAjAAAAAAAAAAAAAAA////AP///wgAAAAAAAAAAAAAAAAAAAAAAAAAAAAAAAAAAAAAeAAAAAEAAABAAAAAAAAAAAAAAABaAAAAAAAAAAAAAAAAAAAAAAAAAAAAAAAAAAAAAAAAAAAAAAAAAAAAAAAAAAAAAAAAAAAAAAAAAAAAAAAAAAAAAAAAAAAAAAAAAAAAFAAAADwAAAAAAAAAAAAAAAAAAAAPAAAAAQAAACMAAAAjAAAAIwAAAB4AAAAAAAAAZAAAAGQAAAAAAAAAZAAAAGQAAAAVAAAAYAAAAAAAAAAAAAAADwAAACADAAAAAAAAAAAAAAEAAACgMgAAVgcAAKr4//8BAAAAf39/AAEAAABkAAAAAAAAABQAAABAHwAAAAAAACYAAAAAAAAAwOD//wAAAAAmAAAAZAAAABYAAABMAAAAAAAAAAAAAAAEAAAAAAAAAAEAAADu7OEKAAAAACgAAAAoAAAAZAAAAGQAAAAAAAAAzMzMAAAAAABQAAAAUAAAAGQAAABkAAAAAAAAABcAAAAUAAAAAAAAAAAAAAD/fwAA/38AAAAAAAAJAAAABAAAAAAAAAAMAAAAEAAAAAAAAAAAAAAAAAAAAAAAAAAeAAAAaAAAAAAAAAAAAAAAAAAAAAAAAAAAAAAAECcAABAnAAAAAAAAAAAAAAAAAAAAAAAAAAAAAAAAAAAAAAAAAAAAABQAAAAAAAAAwMD/AAAAAABkAAAAMgAAAAAAAABkAAAAAAAAAH9/fwAKAAAAHwAAAFQAAAD///8A////AQAAAAAAAAAAAAAAAAAAAAAAAAAAAAAAAAAAAAAAAAAAAAAAAH9/fwDu7OEDzMzMAMDA/wB/f38AAAAAAAAAAAAAAAAAAAAAAAAAAAAhAAAAGAAAABQAAADIBQAAwBIAAHpIAADDMgAAEAAAACYAAAAIAAAAAYAAAAAAAAA="/>
+                <pr:smNativeData xmlns="" xmlns:p14="http://schemas.microsoft.com/office/powerpoint/2010/main" xmlns:pr="smNativeData" val="SMDATA_13_eIVQYBMAAAAlAAAAZAAAAA0AAAAAAAAAAAAAAAAAAAAAAAAAAAAAAAAAAAAAAAAAAAEAAABQAAAAAAAAAAAA4D8AAAAAAADgPwAAAAAAAOA/AAAAAAAA4D8AAAAAAADgPwAAAAAAAOA/AAAAAAAA4D8AAAAAAADgPwAAAAAAAOA/AAAAAAAA4D8CAAAAjAAAAAAAAAAAAAAA////AP///wgAAAAAAAAAAAAAAAAAAAAAAAAAAAAAAAAAAAAAeAAAAAEAAABAAAAAAAAAAAAAAABaAAAAAAAAAAAAAAAAAAAAAAAAAAAAAAAAAAAAAAAAAAAAAAAAAAAAAAAAAAAAAAAAAAAAAAAAAAAAAAAAAAAAAAAAAAAAAAAAAAAAFAAAADwAAAAAAAAAAAAAAAAAAAAPAAAAAQAAACMAAAAjAAAAIwAAAB4AAAAAAAAAZAAAAGQAAAAAAAAAZAAAAGQAAAAVAAAAYAAAAAAAAAAAAAAADwAAACADAAAAAAAAAAAAAAEAAACgMgAAVgcAAKr4//8BAAAAf39/AAEAAABkAAAAAAAAABQAAABAHwAAAAAAACYAAAAAAAAAwOD//wAAAAAmAAAAZAAAABYAAABMAAAAAAAAAAAAAAAEAAAAAAAAAAEAAADu7OEKAAAAACgAAAAoAAAAZAAAAGQAAAAAAAAAzMzMAAAAAABQAAAAUAAAAGQAAABkAAAAAAAAABcAAAAUAAAAAAAAAAAAAAD/fwAA/38AAAAAAAAJAAAABAAAAAAAAAAMAAAAEAAAAAAAAAAAAAAAAAAAAAAAAAAeAAAAaAAAAAAAAAAAAAAAAAAAAAAAAAAAAAAAECcAABAnAAAAAAAAAAAAAAAAAAAAAAAAAAAAAAAAAAAAAAAAAAAAABQAAAAAAAAAwMD/AAAAAABkAAAAMgAAAAAAAABkAAAAAAAAAH9/fwAKAAAAHwAAAFQAAAD///8A////AQAAAAAAAAAAAAAAAAAAAAAAAAAAAAAAAAAAAAAAAAAAAAAAAH9/fwDu7OEDzMzMAMDA/wB/f38AAAAAAAAAAAAAAAAAAAAAAAAAAAAhAAAAGAAAABQAAADIBQAAwBIAAHpIAADDMgAAEAAAACYAAAAIAAAAAYAAAAAAAAA="/>
               </a:ext>
             </a:extLst>
           </p:cNvSpPr>
@@ -9862,7 +10463,7 @@
             <a:spLocks noGrp="1" noChangeArrowheads="1"/>
             <a:extLst>
               <a:ext uri="smNativeData">
-                <pr:smNativeData xmlns:pr="smNativeData" xmlns:p14="http://schemas.microsoft.com/office/powerpoint/2010/main" xmlns="" val="SMDATA_13_eIVQYBMAAAAlAAAAZAAAAA0AAAAAAAAAAAAAAAAAAAAAAAAAAAAAAAAAAAAAAAAAAAEAAABQAAAAAAAAAAAA4D8AAAAAAADgPwAAAAAAAOA/AAAAAAAA4D8AAAAAAADgPwAAAAAAAOA/AAAAAAAA4D8AAAAAAADgPwAAAAAAAOA/AAAAAAAA4D8CAAAAjAAAAAAAAAAAAAAA////AP///wgAAAAAAAAAAAAAAAAAAAAAAAAAAAAAAAAAAAAAeAAAAAEAAABAAAAAAAAAAAAAAABaAAAAAAAAAAAAAAAAAAAAAAAAAAAAAAAAAAAAAAAAAAAAAAAAAAAAAAAAAAAAAAAAAAAAAAAAAAAAAAAAAAAAAAAAAAAAAAAAAAAAFAAAADwAAAAAAAAAAAAAAAAAAAAPAAAAAQAAACMAAAAjAAAAIwAAAB4AAAAAAAAAZAAAAGQAAAAAAAAAZAAAAGQAAAAVAAAAYAAAAAAAAAAAAAAADwAAACADAAAAAAAAAAAAAAEAAACgMgAAVgcAAKr4//8BAAAAf39/AAEAAABkAAAAAAAAABQAAABAHwAAAAAAACYAAAAAAAAAwOD//wAAAAAmAAAAZAAAABYAAABMAAAAAAAAAAAAAAAEAAAAAAAAAAEAAADu7OEKAAAAACgAAAAoAAAAZAAAAGQAAAAAAAAAzMzMAAAAAABQAAAAUAAAAGQAAABkAAAAAAAAABcAAAAUAAAAAAAAAAAAAAD/fwAA/38AAAAAAAAJAAAABAAAAAAAAAAMAAAAEAAAAAAAAAAAAAAAAAAAAAAAAAAeAAAAaAAAAAAAAAAAAAAAAAAAAAAAAAAAAAAAECcAABAnAAAAAAAAAAAAAAAAAAAAAAAAAAAAAAAAAAAAAAAAAAAAABQAAAAAAAAAwMD/AAAAAABkAAAAMgAAAAAAAABkAAAAAAAAAH9/fwAKAAAAHwAAAFQAAAD///8A////AQAAAAAAAAAAAAAAAAAAAAAAAAAAAAAAAAAAAAAAAAAAAAAAAH9/fwDu7OEDzMzMAMDA/wB/f38AAAAAAAAAAAAAAAAAAAAAAAAAAAAhAAAAGAAAABQAAADqAQAA4DgAAPAKAACYOgAAEAAAACYAAAAIAAAAAAAAAAAAAAA="/>
+                <pr:smNativeData xmlns="" xmlns:p14="http://schemas.microsoft.com/office/powerpoint/2010/main" xmlns:pr="smNativeData" val="SMDATA_13_eIVQYBMAAAAlAAAAZAAAAA0AAAAAAAAAAAAAAAAAAAAAAAAAAAAAAAAAAAAAAAAAAAEAAABQAAAAAAAAAAAA4D8AAAAAAADgPwAAAAAAAOA/AAAAAAAA4D8AAAAAAADgPwAAAAAAAOA/AAAAAAAA4D8AAAAAAADgPwAAAAAAAOA/AAAAAAAA4D8CAAAAjAAAAAAAAAAAAAAA////AP///wgAAAAAAAAAAAAAAAAAAAAAAAAAAAAAAAAAAAAAeAAAAAEAAABAAAAAAAAAAAAAAABaAAAAAAAAAAAAAAAAAAAAAAAAAAAAAAAAAAAAAAAAAAAAAAAAAAAAAAAAAAAAAAAAAAAAAAAAAAAAAAAAAAAAAAAAAAAAAAAAAAAAFAAAADwAAAAAAAAAAAAAAAAAAAAPAAAAAQAAACMAAAAjAAAAIwAAAB4AAAAAAAAAZAAAAGQAAAAAAAAAZAAAAGQAAAAVAAAAYAAAAAAAAAAAAAAADwAAACADAAAAAAAAAAAAAAEAAACgMgAAVgcAAKr4//8BAAAAf39/AAEAAABkAAAAAAAAABQAAABAHwAAAAAAACYAAAAAAAAAwOD//wAAAAAmAAAAZAAAABYAAABMAAAAAAAAAAAAAAAEAAAAAAAAAAEAAADu7OEKAAAAACgAAAAoAAAAZAAAAGQAAAAAAAAAzMzMAAAAAABQAAAAUAAAAGQAAABkAAAAAAAAABcAAAAUAAAAAAAAAAAAAAD/fwAA/38AAAAAAAAJAAAABAAAAAAAAAAMAAAAEAAAAAAAAAAAAAAAAAAAAAAAAAAeAAAAaAAAAAAAAAAAAAAAAAAAAAAAAAAAAAAAECcAABAnAAAAAAAAAAAAAAAAAAAAAAAAAAAAAAAAAAAAAAAAAAAAABQAAAAAAAAAwMD/AAAAAABkAAAAMgAAAAAAAABkAAAAAAAAAH9/fwAKAAAAHwAAAFQAAAD///8A////AQAAAAAAAAAAAAAAAAAAAAAAAAAAAAAAAAAAAAAAAAAAAAAAAH9/fwDu7OEDzMzMAMDA/wB/f38AAAAAAAAAAAAAAAAAAAAAAAAAAAAhAAAAGAAAABQAAADqAQAA4DgAAPAKAACYOgAAEAAAACYAAAAIAAAAAAAAAAAAAAA="/>
               </a:ext>
             </a:extLst>
           </p:cNvSpPr>
@@ -9891,7 +10492,7 @@
             <a:spLocks noGrp="1" noChangeArrowheads="1"/>
             <a:extLst>
               <a:ext uri="smNativeData">
-                <pr:smNativeData xmlns:pr="smNativeData" xmlns:p14="http://schemas.microsoft.com/office/powerpoint/2010/main" xmlns="" val="SMDATA_13_eIVQYBMAAAAlAAAAZAAAAA0AAAAAAAAAAAAAAAAAAAAAAAAAAAAAAAAAAAAAAAAAAAEAAABQAAAAAAAAAAAA4D8AAAAAAADgPwAAAAAAAOA/AAAAAAAA4D8AAAAAAADgPwAAAAAAAOA/AAAAAAAA4D8AAAAAAADgPwAAAAAAAOA/AAAAAAAA4D8CAAAAjAAAAAAAAAAAAAAA////AP///wgAAAAAAAAAAAAAAAAAAAAAAAAAAAAAAAAAAAAAeAAAAAEAAABAAAAAAAAAAAAAAABaAAAAAAAAAAAAAAAAAAAAAAAAAAAAAAAAAAAAAAAAAAAAAAAAAAAAAAAAAAAAAAAAAAAAAAAAAAAAAAAAAAAAAAAAAAAAAAAAAAAAFAAAADwAAAAAAAAAAAAAAAAAAAAPAAAAAQAAACMAAAAjAAAAIwAAAB4AAAAAAAAAZAAAAGQAAAAAAAAAZAAAAGQAAAAVAAAAYAAAAAAAAAAAAAAADwAAACADAAAAAAAAAAAAAAEAAACgMgAAVgcAAKr4//8BAAAAf39/AAEAAABkAAAAAAAAABQAAABAHwAAAAAAACYAAAAAAAAAwOD//wAAAAAmAAAAZAAAABYAAABMAAAAAAAAAAAAAAAEAAAAAAAAAAEAAADu7OEKAAAAACgAAAAoAAAAZAAAAGQAAAAAAAAAzMzMAAAAAABQAAAAUAAAAGQAAABkAAAAAAAAABcAAAAUAAAAAAAAAAAAAAD/fwAA/38AAAAAAAAJAAAABAAAAAAAAAAMAAAAEAAAAAAAAAAAAAAAAAAAAAAAAAAeAAAAaAAAAAAAAAAAAAAAAAAAAAAAAAAAAAAAECcAABAnAAAAAAAAAAAAAAAAAAAAAAAAAAAAAAAAAAAAAAAAAAAAABQAAAAAAAAAwMD/AAAAAABkAAAAMgAAAAAAAABkAAAAAAAAAH9/fwAKAAAAHwAAAFQAAAD///8A////AQAAAAAAAAAAAAAAAAAAAAAAAAAAAAAAAAAAAAAAAAAAAAAAAH9/fwDu7OEDzMzMAMDA/wB/f38AAAAAAAAAAAAAAAAAAAAAAAAAAAAhAAAAGAAAABQAAADQSAAAGDkAABZOAACYOgAAEAAAACYAAAAIAAAAAAAAAAAAAAA="/>
+                <pr:smNativeData xmlns="" xmlns:p14="http://schemas.microsoft.com/office/powerpoint/2010/main" xmlns:pr="smNativeData" val="SMDATA_13_eIVQYBMAAAAlAAAAZAAAAA0AAAAAAAAAAAAAAAAAAAAAAAAAAAAAAAAAAAAAAAAAAAEAAABQAAAAAAAAAAAA4D8AAAAAAADgPwAAAAAAAOA/AAAAAAAA4D8AAAAAAADgPwAAAAAAAOA/AAAAAAAA4D8AAAAAAADgPwAAAAAAAOA/AAAAAAAA4D8CAAAAjAAAAAAAAAAAAAAA////AP///wgAAAAAAAAAAAAAAAAAAAAAAAAAAAAAAAAAAAAAeAAAAAEAAABAAAAAAAAAAAAAAABaAAAAAAAAAAAAAAAAAAAAAAAAAAAAAAAAAAAAAAAAAAAAAAAAAAAAAAAAAAAAAAAAAAAAAAAAAAAAAAAAAAAAAAAAAAAAAAAAAAAAFAAAADwAAAAAAAAAAAAAAAAAAAAPAAAAAQAAACMAAAAjAAAAIwAAAB4AAAAAAAAAZAAAAGQAAAAAAAAAZAAAAGQAAAAVAAAAYAAAAAAAAAAAAAAADwAAACADAAAAAAAAAAAAAAEAAACgMgAAVgcAAKr4//8BAAAAf39/AAEAAABkAAAAAAAAABQAAABAHwAAAAAAACYAAAAAAAAAwOD//wAAAAAmAAAAZAAAABYAAABMAAAAAAAAAAAAAAAEAAAAAAAAAAEAAADu7OEKAAAAACgAAAAoAAAAZAAAAGQAAAAAAAAAzMzMAAAAAABQAAAAUAAAAGQAAABkAAAAAAAAABcAAAAUAAAAAAAAAAAAAAD/fwAA/38AAAAAAAAJAAAABAAAAAAAAAAMAAAAEAAAAAAAAAAAAAAAAAAAAAAAAAAeAAAAaAAAAAAAAAAAAAAAAAAAAAAAAAAAAAAAECcAABAnAAAAAAAAAAAAAAAAAAAAAAAAAAAAAAAAAAAAAAAAAAAAABQAAAAAAAAAwMD/AAAAAABkAAAAMgAAAAAAAABkAAAAAAAAAH9/fwAKAAAAHwAAAFQAAAD///8A////AQAAAAAAAAAAAAAAAAAAAAAAAAAAAAAAAAAAAAAAAAAAAAAAAH9/fwDu7OEDzMzMAMDA/wB/f38AAAAAAAAAAAAAAAAAAAAAAAAAAAAhAAAAGAAAABQAAADQSAAAGDkAABZOAACYOgAAEAAAACYAAAAIAAAAAAAAAAAAAAA="/>
               </a:ext>
             </a:extLst>
           </p:cNvSpPr>
